--- a/plots.pptx
+++ b/plots.pptx
@@ -8,11 +8,13 @@
     <p:sldId id="256" r:id="rId2"/>
     <p:sldId id="258" r:id="rId3"/>
     <p:sldId id="259" r:id="rId4"/>
-    <p:sldId id="257" r:id="rId5"/>
-    <p:sldId id="260" r:id="rId6"/>
-    <p:sldId id="261" r:id="rId7"/>
+    <p:sldId id="265" r:id="rId5"/>
+    <p:sldId id="257" r:id="rId6"/>
+    <p:sldId id="260" r:id="rId7"/>
     <p:sldId id="262" r:id="rId8"/>
-    <p:sldId id="263" r:id="rId9"/>
+    <p:sldId id="261" r:id="rId9"/>
+    <p:sldId id="264" r:id="rId10"/>
+    <p:sldId id="263" r:id="rId11"/>
   </p:sldIdLst>
   <p:sldSz cx="12192000" cy="6858000"/>
   <p:notesSz cx="6858000" cy="9144000"/>
@@ -111,6 +113,11 @@
       </a:defRPr>
     </a:lvl9pPr>
   </p:defaultTextStyle>
+  <p:extLst>
+    <p:ext uri="{EFAFB233-063F-42B5-8137-9DF3F51BA10A}">
+      <p15:sldGuideLst xmlns:p15="http://schemas.microsoft.com/office/powerpoint/2012/main"/>
+    </p:ext>
+  </p:extLst>
 </p:presentation>
 </file>
 
@@ -261,7 +268,7 @@
           <a:p>
             <a:fld id="{B5F89A9F-4FAD-4BAA-ADAC-40BD735AB142}" type="datetimeFigureOut">
               <a:rPr lang="ru-RU" smtClean="0"/>
-              <a:t>17.11.2024</a:t>
+              <a:t>18.11.2024</a:t>
             </a:fld>
             <a:endParaRPr lang="ru-RU"/>
           </a:p>
@@ -459,7 +466,7 @@
           <a:p>
             <a:fld id="{B5F89A9F-4FAD-4BAA-ADAC-40BD735AB142}" type="datetimeFigureOut">
               <a:rPr lang="ru-RU" smtClean="0"/>
-              <a:t>17.11.2024</a:t>
+              <a:t>18.11.2024</a:t>
             </a:fld>
             <a:endParaRPr lang="ru-RU"/>
           </a:p>
@@ -667,7 +674,7 @@
           <a:p>
             <a:fld id="{B5F89A9F-4FAD-4BAA-ADAC-40BD735AB142}" type="datetimeFigureOut">
               <a:rPr lang="ru-RU" smtClean="0"/>
-              <a:t>17.11.2024</a:t>
+              <a:t>18.11.2024</a:t>
             </a:fld>
             <a:endParaRPr lang="ru-RU"/>
           </a:p>
@@ -865,7 +872,7 @@
           <a:p>
             <a:fld id="{B5F89A9F-4FAD-4BAA-ADAC-40BD735AB142}" type="datetimeFigureOut">
               <a:rPr lang="ru-RU" smtClean="0"/>
-              <a:t>17.11.2024</a:t>
+              <a:t>18.11.2024</a:t>
             </a:fld>
             <a:endParaRPr lang="ru-RU"/>
           </a:p>
@@ -1140,7 +1147,7 @@
           <a:p>
             <a:fld id="{B5F89A9F-4FAD-4BAA-ADAC-40BD735AB142}" type="datetimeFigureOut">
               <a:rPr lang="ru-RU" smtClean="0"/>
-              <a:t>17.11.2024</a:t>
+              <a:t>18.11.2024</a:t>
             </a:fld>
             <a:endParaRPr lang="ru-RU"/>
           </a:p>
@@ -1405,7 +1412,7 @@
           <a:p>
             <a:fld id="{B5F89A9F-4FAD-4BAA-ADAC-40BD735AB142}" type="datetimeFigureOut">
               <a:rPr lang="ru-RU" smtClean="0"/>
-              <a:t>17.11.2024</a:t>
+              <a:t>18.11.2024</a:t>
             </a:fld>
             <a:endParaRPr lang="ru-RU"/>
           </a:p>
@@ -1817,7 +1824,7 @@
           <a:p>
             <a:fld id="{B5F89A9F-4FAD-4BAA-ADAC-40BD735AB142}" type="datetimeFigureOut">
               <a:rPr lang="ru-RU" smtClean="0"/>
-              <a:t>17.11.2024</a:t>
+              <a:t>18.11.2024</a:t>
             </a:fld>
             <a:endParaRPr lang="ru-RU"/>
           </a:p>
@@ -1958,7 +1965,7 @@
           <a:p>
             <a:fld id="{B5F89A9F-4FAD-4BAA-ADAC-40BD735AB142}" type="datetimeFigureOut">
               <a:rPr lang="ru-RU" smtClean="0"/>
-              <a:t>17.11.2024</a:t>
+              <a:t>18.11.2024</a:t>
             </a:fld>
             <a:endParaRPr lang="ru-RU"/>
           </a:p>
@@ -2071,7 +2078,7 @@
           <a:p>
             <a:fld id="{B5F89A9F-4FAD-4BAA-ADAC-40BD735AB142}" type="datetimeFigureOut">
               <a:rPr lang="ru-RU" smtClean="0"/>
-              <a:t>17.11.2024</a:t>
+              <a:t>18.11.2024</a:t>
             </a:fld>
             <a:endParaRPr lang="ru-RU"/>
           </a:p>
@@ -2382,7 +2389,7 @@
           <a:p>
             <a:fld id="{B5F89A9F-4FAD-4BAA-ADAC-40BD735AB142}" type="datetimeFigureOut">
               <a:rPr lang="ru-RU" smtClean="0"/>
-              <a:t>17.11.2024</a:t>
+              <a:t>18.11.2024</a:t>
             </a:fld>
             <a:endParaRPr lang="ru-RU"/>
           </a:p>
@@ -2670,7 +2677,7 @@
           <a:p>
             <a:fld id="{B5F89A9F-4FAD-4BAA-ADAC-40BD735AB142}" type="datetimeFigureOut">
               <a:rPr lang="ru-RU" smtClean="0"/>
-              <a:t>17.11.2024</a:t>
+              <a:t>18.11.2024</a:t>
             </a:fld>
             <a:endParaRPr lang="ru-RU"/>
           </a:p>
@@ -2911,7 +2918,7 @@
           <a:p>
             <a:fld id="{B5F89A9F-4FAD-4BAA-ADAC-40BD735AB142}" type="datetimeFigureOut">
               <a:rPr lang="ru-RU" smtClean="0"/>
-              <a:t>17.11.2024</a:t>
+              <a:t>18.11.2024</a:t>
             </a:fld>
             <a:endParaRPr lang="ru-RU"/>
           </a:p>
@@ -3391,6 +3398,116 @@
 </p:sld>
 </file>
 
+<file path=ppt/slides/slide10.xml><?xml version="1.0" encoding="utf-8"?>
+<p:sld xmlns:a="http://schemas.openxmlformats.org/drawingml/2006/main" xmlns:r="http://schemas.openxmlformats.org/officeDocument/2006/relationships" xmlns:p="http://schemas.openxmlformats.org/presentationml/2006/main">
+  <p:cSld>
+    <p:spTree>
+      <p:nvGrpSpPr>
+        <p:cNvPr id="1" name=""/>
+        <p:cNvGrpSpPr/>
+        <p:nvPr/>
+      </p:nvGrpSpPr>
+      <p:grpSpPr>
+        <a:xfrm>
+          <a:off x="0" y="0"/>
+          <a:ext cx="0" cy="0"/>
+          <a:chOff x="0" y="0"/>
+          <a:chExt cx="0" cy="0"/>
+        </a:xfrm>
+      </p:grpSpPr>
+      <p:sp>
+        <p:nvSpPr>
+          <p:cNvPr id="2" name="Заголовок 1">
+            <a:extLst>
+              <a:ext uri="{FF2B5EF4-FFF2-40B4-BE49-F238E27FC236}">
+                <a16:creationId xmlns:a16="http://schemas.microsoft.com/office/drawing/2014/main" id="{7D4C7FB0-8F5E-1DB0-1E97-0BE3B0A71BCF}"/>
+              </a:ext>
+            </a:extLst>
+          </p:cNvPr>
+          <p:cNvSpPr>
+            <a:spLocks noGrp="1"/>
+          </p:cNvSpPr>
+          <p:nvPr>
+            <p:ph type="title"/>
+          </p:nvPr>
+        </p:nvSpPr>
+        <p:spPr/>
+        <p:txBody>
+          <a:bodyPr/>
+          <a:lstStyle/>
+          <a:p>
+            <a:endParaRPr lang="ru-RU"/>
+          </a:p>
+        </p:txBody>
+      </p:sp>
+      <p:sp>
+        <p:nvSpPr>
+          <p:cNvPr id="3" name="Объект 2">
+            <a:extLst>
+              <a:ext uri="{FF2B5EF4-FFF2-40B4-BE49-F238E27FC236}">
+                <a16:creationId xmlns:a16="http://schemas.microsoft.com/office/drawing/2014/main" id="{CAFC297C-D8E5-BC01-E8E6-64CD690AA4EB}"/>
+              </a:ext>
+            </a:extLst>
+          </p:cNvPr>
+          <p:cNvSpPr>
+            <a:spLocks noGrp="1"/>
+          </p:cNvSpPr>
+          <p:nvPr>
+            <p:ph idx="1"/>
+          </p:nvPr>
+        </p:nvSpPr>
+        <p:spPr/>
+        <p:txBody>
+          <a:bodyPr/>
+          <a:lstStyle/>
+          <a:p>
+            <a:endParaRPr lang="ru-RU"/>
+          </a:p>
+        </p:txBody>
+      </p:sp>
+      <p:pic>
+        <p:nvPicPr>
+          <p:cNvPr id="5" name="Рисунок 4">
+            <a:extLst>
+              <a:ext uri="{FF2B5EF4-FFF2-40B4-BE49-F238E27FC236}">
+                <a16:creationId xmlns:a16="http://schemas.microsoft.com/office/drawing/2014/main" id="{8B82BC80-2713-5050-2D99-6556BA046FB4}"/>
+              </a:ext>
+            </a:extLst>
+          </p:cNvPr>
+          <p:cNvPicPr>
+            <a:picLocks noChangeAspect="1"/>
+          </p:cNvPicPr>
+          <p:nvPr/>
+        </p:nvPicPr>
+        <p:blipFill>
+          <a:blip r:embed="rId2"/>
+          <a:stretch>
+            <a:fillRect/>
+          </a:stretch>
+        </p:blipFill>
+        <p:spPr>
+          <a:xfrm>
+            <a:off x="524827" y="1043146"/>
+            <a:ext cx="5076825" cy="5257800"/>
+          </a:xfrm>
+          <a:prstGeom prst="rect">
+            <a:avLst/>
+          </a:prstGeom>
+        </p:spPr>
+      </p:pic>
+    </p:spTree>
+    <p:extLst>
+      <p:ext uri="{BB962C8B-B14F-4D97-AF65-F5344CB8AC3E}">
+        <p14:creationId xmlns:p14="http://schemas.microsoft.com/office/powerpoint/2010/main" val="741653847"/>
+      </p:ext>
+    </p:extLst>
+  </p:cSld>
+  <p:clrMapOvr>
+    <a:masterClrMapping/>
+  </p:clrMapOvr>
+</p:sld>
+</file>
+
 <file path=ppt/slides/slide2.xml><?xml version="1.0" encoding="utf-8"?>
 <p:sld xmlns:a="http://schemas.openxmlformats.org/drawingml/2006/main" xmlns:r="http://schemas.openxmlformats.org/officeDocument/2006/relationships" xmlns:p="http://schemas.openxmlformats.org/presentationml/2006/main">
   <p:cSld>
@@ -3693,6 +3810,86 @@
           <p:cNvPr id="2" name="Заголовок 1">
             <a:extLst>
               <a:ext uri="{FF2B5EF4-FFF2-40B4-BE49-F238E27FC236}">
+                <a16:creationId xmlns:a16="http://schemas.microsoft.com/office/drawing/2014/main" id="{8613FAE8-64D3-C2B6-BB65-C8B12856461F}"/>
+              </a:ext>
+            </a:extLst>
+          </p:cNvPr>
+          <p:cNvSpPr>
+            <a:spLocks noGrp="1"/>
+          </p:cNvSpPr>
+          <p:nvPr>
+            <p:ph type="title"/>
+          </p:nvPr>
+        </p:nvSpPr>
+        <p:spPr/>
+        <p:txBody>
+          <a:bodyPr/>
+          <a:lstStyle/>
+          <a:p>
+            <a:endParaRPr lang="ru-RU"/>
+          </a:p>
+        </p:txBody>
+      </p:sp>
+      <p:sp>
+        <p:nvSpPr>
+          <p:cNvPr id="3" name="Объект 2">
+            <a:extLst>
+              <a:ext uri="{FF2B5EF4-FFF2-40B4-BE49-F238E27FC236}">
+                <a16:creationId xmlns:a16="http://schemas.microsoft.com/office/drawing/2014/main" id="{C1ED206D-5406-D836-F4B7-C1C4E8BE9D55}"/>
+              </a:ext>
+            </a:extLst>
+          </p:cNvPr>
+          <p:cNvSpPr>
+            <a:spLocks noGrp="1"/>
+          </p:cNvSpPr>
+          <p:nvPr>
+            <p:ph idx="1"/>
+          </p:nvPr>
+        </p:nvSpPr>
+        <p:spPr/>
+        <p:txBody>
+          <a:bodyPr/>
+          <a:lstStyle/>
+          <a:p>
+            <a:endParaRPr lang="ru-RU"/>
+          </a:p>
+        </p:txBody>
+      </p:sp>
+    </p:spTree>
+    <p:extLst>
+      <p:ext uri="{BB962C8B-B14F-4D97-AF65-F5344CB8AC3E}">
+        <p14:creationId xmlns:p14="http://schemas.microsoft.com/office/powerpoint/2010/main" val="688780822"/>
+      </p:ext>
+    </p:extLst>
+  </p:cSld>
+  <p:clrMapOvr>
+    <a:masterClrMapping/>
+  </p:clrMapOvr>
+</p:sld>
+</file>
+
+<file path=ppt/slides/slide5.xml><?xml version="1.0" encoding="utf-8"?>
+<p:sld xmlns:a="http://schemas.openxmlformats.org/drawingml/2006/main" xmlns:r="http://schemas.openxmlformats.org/officeDocument/2006/relationships" xmlns:p="http://schemas.openxmlformats.org/presentationml/2006/main">
+  <p:cSld>
+    <p:spTree>
+      <p:nvGrpSpPr>
+        <p:cNvPr id="1" name=""/>
+        <p:cNvGrpSpPr/>
+        <p:nvPr/>
+      </p:nvGrpSpPr>
+      <p:grpSpPr>
+        <a:xfrm>
+          <a:off x="0" y="0"/>
+          <a:ext cx="0" cy="0"/>
+          <a:chOff x="0" y="0"/>
+          <a:chExt cx="0" cy="0"/>
+        </a:xfrm>
+      </p:grpSpPr>
+      <p:sp>
+        <p:nvSpPr>
+          <p:cNvPr id="2" name="Заголовок 1">
+            <a:extLst>
+              <a:ext uri="{FF2B5EF4-FFF2-40B4-BE49-F238E27FC236}">
                 <a16:creationId xmlns:a16="http://schemas.microsoft.com/office/drawing/2014/main" id="{5AA5FD4F-A383-07C1-FD96-4F5925246E34}"/>
               </a:ext>
             </a:extLst>
@@ -3792,86 +3989,6 @@
 </p:sld>
 </file>
 
-<file path=ppt/slides/slide5.xml><?xml version="1.0" encoding="utf-8"?>
-<p:sld xmlns:a="http://schemas.openxmlformats.org/drawingml/2006/main" xmlns:r="http://schemas.openxmlformats.org/officeDocument/2006/relationships" xmlns:p="http://schemas.openxmlformats.org/presentationml/2006/main">
-  <p:cSld>
-    <p:spTree>
-      <p:nvGrpSpPr>
-        <p:cNvPr id="1" name=""/>
-        <p:cNvGrpSpPr/>
-        <p:nvPr/>
-      </p:nvGrpSpPr>
-      <p:grpSpPr>
-        <a:xfrm>
-          <a:off x="0" y="0"/>
-          <a:ext cx="0" cy="0"/>
-          <a:chOff x="0" y="0"/>
-          <a:chExt cx="0" cy="0"/>
-        </a:xfrm>
-      </p:grpSpPr>
-      <p:sp>
-        <p:nvSpPr>
-          <p:cNvPr id="2" name="Заголовок 1">
-            <a:extLst>
-              <a:ext uri="{FF2B5EF4-FFF2-40B4-BE49-F238E27FC236}">
-                <a16:creationId xmlns:a16="http://schemas.microsoft.com/office/drawing/2014/main" id="{8C100275-644A-F0D0-C441-6DD30A6DADEA}"/>
-              </a:ext>
-            </a:extLst>
-          </p:cNvPr>
-          <p:cNvSpPr>
-            <a:spLocks noGrp="1"/>
-          </p:cNvSpPr>
-          <p:nvPr>
-            <p:ph type="title"/>
-          </p:nvPr>
-        </p:nvSpPr>
-        <p:spPr/>
-        <p:txBody>
-          <a:bodyPr/>
-          <a:lstStyle/>
-          <a:p>
-            <a:endParaRPr lang="ru-RU"/>
-          </a:p>
-        </p:txBody>
-      </p:sp>
-      <p:sp>
-        <p:nvSpPr>
-          <p:cNvPr id="3" name="Объект 2">
-            <a:extLst>
-              <a:ext uri="{FF2B5EF4-FFF2-40B4-BE49-F238E27FC236}">
-                <a16:creationId xmlns:a16="http://schemas.microsoft.com/office/drawing/2014/main" id="{92CF86FF-6C23-E168-BF7D-7FC77C37AC88}"/>
-              </a:ext>
-            </a:extLst>
-          </p:cNvPr>
-          <p:cNvSpPr>
-            <a:spLocks noGrp="1"/>
-          </p:cNvSpPr>
-          <p:nvPr>
-            <p:ph idx="1"/>
-          </p:nvPr>
-        </p:nvSpPr>
-        <p:spPr/>
-        <p:txBody>
-          <a:bodyPr/>
-          <a:lstStyle/>
-          <a:p>
-            <a:endParaRPr lang="ru-RU"/>
-          </a:p>
-        </p:txBody>
-      </p:sp>
-    </p:spTree>
-    <p:extLst>
-      <p:ext uri="{BB962C8B-B14F-4D97-AF65-F5344CB8AC3E}">
-        <p14:creationId xmlns:p14="http://schemas.microsoft.com/office/powerpoint/2010/main" val="226755497"/>
-      </p:ext>
-    </p:extLst>
-  </p:cSld>
-  <p:clrMapOvr>
-    <a:masterClrMapping/>
-  </p:clrMapOvr>
-</p:sld>
-</file>
-
 <file path=ppt/slides/slide6.xml><?xml version="1.0" encoding="utf-8"?>
 <p:sld xmlns:a="http://schemas.openxmlformats.org/drawingml/2006/main" xmlns:r="http://schemas.openxmlformats.org/officeDocument/2006/relationships" xmlns:p="http://schemas.openxmlformats.org/presentationml/2006/main">
   <p:cSld>
@@ -3894,7 +4011,7 @@
           <p:cNvPr id="2" name="Заголовок 1">
             <a:extLst>
               <a:ext uri="{FF2B5EF4-FFF2-40B4-BE49-F238E27FC236}">
-                <a16:creationId xmlns:a16="http://schemas.microsoft.com/office/drawing/2014/main" id="{69A00FC7-C0A2-0FCA-E196-4F174CE3148E}"/>
+                <a16:creationId xmlns:a16="http://schemas.microsoft.com/office/drawing/2014/main" id="{8C100275-644A-F0D0-C441-6DD30A6DADEA}"/>
               </a:ext>
             </a:extLst>
           </p:cNvPr>
@@ -3919,7 +4036,7 @@
           <p:cNvPr id="3" name="Объект 2">
             <a:extLst>
               <a:ext uri="{FF2B5EF4-FFF2-40B4-BE49-F238E27FC236}">
-                <a16:creationId xmlns:a16="http://schemas.microsoft.com/office/drawing/2014/main" id="{E66D40A4-142E-AB05-5E29-A9336FA0F044}"/>
+                <a16:creationId xmlns:a16="http://schemas.microsoft.com/office/drawing/2014/main" id="{92CF86FF-6C23-E168-BF7D-7FC77C37AC88}"/>
               </a:ext>
             </a:extLst>
           </p:cNvPr>
@@ -3939,70 +4056,10 @@
           </a:p>
         </p:txBody>
       </p:sp>
-      <p:pic>
-        <p:nvPicPr>
-          <p:cNvPr id="5" name="Рисунок 4">
-            <a:extLst>
-              <a:ext uri="{FF2B5EF4-FFF2-40B4-BE49-F238E27FC236}">
-                <a16:creationId xmlns:a16="http://schemas.microsoft.com/office/drawing/2014/main" id="{93D2A8E5-7281-0FA7-7A94-48ECB757835A}"/>
-              </a:ext>
-            </a:extLst>
-          </p:cNvPr>
-          <p:cNvPicPr>
-            <a:picLocks noChangeAspect="1"/>
-          </p:cNvPicPr>
-          <p:nvPr/>
-        </p:nvPicPr>
-        <p:blipFill>
-          <a:blip r:embed="rId2"/>
-          <a:stretch>
-            <a:fillRect/>
-          </a:stretch>
-        </p:blipFill>
-        <p:spPr>
-          <a:xfrm>
-            <a:off x="206692" y="365125"/>
-            <a:ext cx="4676775" cy="5857875"/>
-          </a:xfrm>
-          <a:prstGeom prst="rect">
-            <a:avLst/>
-          </a:prstGeom>
-        </p:spPr>
-      </p:pic>
-      <p:pic>
-        <p:nvPicPr>
-          <p:cNvPr id="7" name="Рисунок 6">
-            <a:extLst>
-              <a:ext uri="{FF2B5EF4-FFF2-40B4-BE49-F238E27FC236}">
-                <a16:creationId xmlns:a16="http://schemas.microsoft.com/office/drawing/2014/main" id="{A65335B9-3656-81E4-334B-FF937EBAE98C}"/>
-              </a:ext>
-            </a:extLst>
-          </p:cNvPr>
-          <p:cNvPicPr>
-            <a:picLocks noChangeAspect="1"/>
-          </p:cNvPicPr>
-          <p:nvPr/>
-        </p:nvPicPr>
-        <p:blipFill>
-          <a:blip r:embed="rId3"/>
-          <a:stretch>
-            <a:fillRect/>
-          </a:stretch>
-        </p:blipFill>
-        <p:spPr>
-          <a:xfrm>
-            <a:off x="5694997" y="681037"/>
-            <a:ext cx="4581525" cy="5762625"/>
-          </a:xfrm>
-          <a:prstGeom prst="rect">
-            <a:avLst/>
-          </a:prstGeom>
-        </p:spPr>
-      </p:pic>
     </p:spTree>
     <p:extLst>
       <p:ext uri="{BB962C8B-B14F-4D97-AF65-F5344CB8AC3E}">
-        <p14:creationId xmlns:p14="http://schemas.microsoft.com/office/powerpoint/2010/main" val="603774076"/>
+        <p14:creationId xmlns:p14="http://schemas.microsoft.com/office/powerpoint/2010/main" val="226755497"/>
       </p:ext>
     </p:extLst>
   </p:cSld>
@@ -4174,7 +4231,7 @@
           <p:cNvPr id="2" name="Заголовок 1">
             <a:extLst>
               <a:ext uri="{FF2B5EF4-FFF2-40B4-BE49-F238E27FC236}">
-                <a16:creationId xmlns:a16="http://schemas.microsoft.com/office/drawing/2014/main" id="{7D4C7FB0-8F5E-1DB0-1E97-0BE3B0A71BCF}"/>
+                <a16:creationId xmlns:a16="http://schemas.microsoft.com/office/drawing/2014/main" id="{69A00FC7-C0A2-0FCA-E196-4F174CE3148E}"/>
               </a:ext>
             </a:extLst>
           </p:cNvPr>
@@ -4199,7 +4256,7 @@
           <p:cNvPr id="3" name="Объект 2">
             <a:extLst>
               <a:ext uri="{FF2B5EF4-FFF2-40B4-BE49-F238E27FC236}">
-                <a16:creationId xmlns:a16="http://schemas.microsoft.com/office/drawing/2014/main" id="{CAFC297C-D8E5-BC01-E8E6-64CD690AA4EB}"/>
+                <a16:creationId xmlns:a16="http://schemas.microsoft.com/office/drawing/2014/main" id="{E66D40A4-142E-AB05-5E29-A9336FA0F044}"/>
               </a:ext>
             </a:extLst>
           </p:cNvPr>
@@ -4224,7 +4281,7 @@
           <p:cNvPr id="5" name="Рисунок 4">
             <a:extLst>
               <a:ext uri="{FF2B5EF4-FFF2-40B4-BE49-F238E27FC236}">
-                <a16:creationId xmlns:a16="http://schemas.microsoft.com/office/drawing/2014/main" id="{8B82BC80-2713-5050-2D99-6556BA046FB4}"/>
+                <a16:creationId xmlns:a16="http://schemas.microsoft.com/office/drawing/2014/main" id="{93D2A8E5-7281-0FA7-7A94-48ECB757835A}"/>
               </a:ext>
             </a:extLst>
           </p:cNvPr>
@@ -4241,8 +4298,38 @@
         </p:blipFill>
         <p:spPr>
           <a:xfrm>
-            <a:off x="524827" y="1043146"/>
-            <a:ext cx="5076825" cy="5257800"/>
+            <a:off x="206692" y="365125"/>
+            <a:ext cx="4676775" cy="5857875"/>
+          </a:xfrm>
+          <a:prstGeom prst="rect">
+            <a:avLst/>
+          </a:prstGeom>
+        </p:spPr>
+      </p:pic>
+      <p:pic>
+        <p:nvPicPr>
+          <p:cNvPr id="7" name="Рисунок 6">
+            <a:extLst>
+              <a:ext uri="{FF2B5EF4-FFF2-40B4-BE49-F238E27FC236}">
+                <a16:creationId xmlns:a16="http://schemas.microsoft.com/office/drawing/2014/main" id="{A65335B9-3656-81E4-334B-FF937EBAE98C}"/>
+              </a:ext>
+            </a:extLst>
+          </p:cNvPr>
+          <p:cNvPicPr>
+            <a:picLocks noChangeAspect="1"/>
+          </p:cNvPicPr>
+          <p:nvPr/>
+        </p:nvPicPr>
+        <p:blipFill>
+          <a:blip r:embed="rId3"/>
+          <a:stretch>
+            <a:fillRect/>
+          </a:stretch>
+        </p:blipFill>
+        <p:spPr>
+          <a:xfrm>
+            <a:off x="5694997" y="681037"/>
+            <a:ext cx="4581525" cy="5762625"/>
           </a:xfrm>
           <a:prstGeom prst="rect">
             <a:avLst/>
@@ -4252,7 +4339,147 @@
     </p:spTree>
     <p:extLst>
       <p:ext uri="{BB962C8B-B14F-4D97-AF65-F5344CB8AC3E}">
-        <p14:creationId xmlns:p14="http://schemas.microsoft.com/office/powerpoint/2010/main" val="741653847"/>
+        <p14:creationId xmlns:p14="http://schemas.microsoft.com/office/powerpoint/2010/main" val="603774076"/>
+      </p:ext>
+    </p:extLst>
+  </p:cSld>
+  <p:clrMapOvr>
+    <a:masterClrMapping/>
+  </p:clrMapOvr>
+</p:sld>
+</file>
+
+<file path=ppt/slides/slide9.xml><?xml version="1.0" encoding="utf-8"?>
+<p:sld xmlns:a="http://schemas.openxmlformats.org/drawingml/2006/main" xmlns:r="http://schemas.openxmlformats.org/officeDocument/2006/relationships" xmlns:p="http://schemas.openxmlformats.org/presentationml/2006/main">
+  <p:cSld>
+    <p:spTree>
+      <p:nvGrpSpPr>
+        <p:cNvPr id="1" name=""/>
+        <p:cNvGrpSpPr/>
+        <p:nvPr/>
+      </p:nvGrpSpPr>
+      <p:grpSpPr>
+        <a:xfrm>
+          <a:off x="0" y="0"/>
+          <a:ext cx="0" cy="0"/>
+          <a:chOff x="0" y="0"/>
+          <a:chExt cx="0" cy="0"/>
+        </a:xfrm>
+      </p:grpSpPr>
+      <p:sp>
+        <p:nvSpPr>
+          <p:cNvPr id="2" name="Заголовок 1">
+            <a:extLst>
+              <a:ext uri="{FF2B5EF4-FFF2-40B4-BE49-F238E27FC236}">
+                <a16:creationId xmlns:a16="http://schemas.microsoft.com/office/drawing/2014/main" id="{E3C3A0E4-3D96-3B29-D957-A291C345BD5C}"/>
+              </a:ext>
+            </a:extLst>
+          </p:cNvPr>
+          <p:cNvSpPr>
+            <a:spLocks noGrp="1"/>
+          </p:cNvSpPr>
+          <p:nvPr>
+            <p:ph type="title"/>
+          </p:nvPr>
+        </p:nvSpPr>
+        <p:spPr/>
+        <p:txBody>
+          <a:bodyPr/>
+          <a:lstStyle/>
+          <a:p>
+            <a:endParaRPr lang="ru-RU"/>
+          </a:p>
+        </p:txBody>
+      </p:sp>
+      <p:sp>
+        <p:nvSpPr>
+          <p:cNvPr id="3" name="Объект 2">
+            <a:extLst>
+              <a:ext uri="{FF2B5EF4-FFF2-40B4-BE49-F238E27FC236}">
+                <a16:creationId xmlns:a16="http://schemas.microsoft.com/office/drawing/2014/main" id="{1B4CE9C2-D38C-34CC-A39E-1BC233AC71AF}"/>
+              </a:ext>
+            </a:extLst>
+          </p:cNvPr>
+          <p:cNvSpPr>
+            <a:spLocks noGrp="1"/>
+          </p:cNvSpPr>
+          <p:nvPr>
+            <p:ph idx="1"/>
+          </p:nvPr>
+        </p:nvSpPr>
+        <p:spPr/>
+        <p:txBody>
+          <a:bodyPr/>
+          <a:lstStyle/>
+          <a:p>
+            <a:endParaRPr lang="ru-RU"/>
+          </a:p>
+        </p:txBody>
+      </p:sp>
+      <p:pic>
+        <p:nvPicPr>
+          <p:cNvPr id="5" name="Рисунок 4">
+            <a:extLst>
+              <a:ext uri="{FF2B5EF4-FFF2-40B4-BE49-F238E27FC236}">
+                <a16:creationId xmlns:a16="http://schemas.microsoft.com/office/drawing/2014/main" id="{FC935FD2-562B-2B6D-7BA9-7FCADC37E44A}"/>
+              </a:ext>
+            </a:extLst>
+          </p:cNvPr>
+          <p:cNvPicPr>
+            <a:picLocks noChangeAspect="1"/>
+          </p:cNvPicPr>
+          <p:nvPr/>
+        </p:nvPicPr>
+        <p:blipFill>
+          <a:blip r:embed="rId2"/>
+          <a:stretch>
+            <a:fillRect/>
+          </a:stretch>
+        </p:blipFill>
+        <p:spPr>
+          <a:xfrm>
+            <a:off x="0" y="2017078"/>
+            <a:ext cx="5870106" cy="4475797"/>
+          </a:xfrm>
+          <a:prstGeom prst="rect">
+            <a:avLst/>
+          </a:prstGeom>
+        </p:spPr>
+      </p:pic>
+      <p:pic>
+        <p:nvPicPr>
+          <p:cNvPr id="7" name="Рисунок 6">
+            <a:extLst>
+              <a:ext uri="{FF2B5EF4-FFF2-40B4-BE49-F238E27FC236}">
+                <a16:creationId xmlns:a16="http://schemas.microsoft.com/office/drawing/2014/main" id="{0BAD0208-063A-13BC-7B6D-AEF2918ACF06}"/>
+              </a:ext>
+            </a:extLst>
+          </p:cNvPr>
+          <p:cNvPicPr>
+            <a:picLocks noChangeAspect="1"/>
+          </p:cNvPicPr>
+          <p:nvPr/>
+        </p:nvPicPr>
+        <p:blipFill>
+          <a:blip r:embed="rId3"/>
+          <a:stretch>
+            <a:fillRect/>
+          </a:stretch>
+        </p:blipFill>
+        <p:spPr>
+          <a:xfrm>
+            <a:off x="5870106" y="3166746"/>
+            <a:ext cx="5887550" cy="3201670"/>
+          </a:xfrm>
+          <a:prstGeom prst="rect">
+            <a:avLst/>
+          </a:prstGeom>
+        </p:spPr>
+      </p:pic>
+    </p:spTree>
+    <p:extLst>
+      <p:ext uri="{BB962C8B-B14F-4D97-AF65-F5344CB8AC3E}">
+        <p14:creationId xmlns:p14="http://schemas.microsoft.com/office/powerpoint/2010/main" val="2566776914"/>
       </p:ext>
     </p:extLst>
   </p:cSld>

--- a/plots.pptx
+++ b/plots.pptx
@@ -1,25 +1,23 @@
 
 <file path=ppt/presentation.xml><?xml version="1.0" encoding="utf-8"?>
-<p:presentation xmlns:p="http://schemas.openxmlformats.org/presentationml/2006/main" xmlns:mc="http://schemas.openxmlformats.org/markup-compatibility/2006" xmlns:p14="http://schemas.microsoft.com/office/powerpoint/2010/main" xmlns:p15="http://schemas.microsoft.com/office/powerpoint/2012/main" xmlns:r="http://schemas.openxmlformats.org/officeDocument/2006/relationships" xmlns:a="http://schemas.openxmlformats.org/drawingml/2006/main">
+<p:presentation xmlns:a="http://schemas.openxmlformats.org/drawingml/2006/main" xmlns:r="http://schemas.openxmlformats.org/officeDocument/2006/relationships" xmlns:p="http://schemas.openxmlformats.org/presentationml/2006/main">
   <p:sldMasterIdLst>
-    <p:sldMasterId id="2147483648" r:id="rId5"/>
+    <p:sldMasterId id="2147483648" r:id="rId1"/>
   </p:sldMasterIdLst>
   <p:notesMasterIdLst>
-    <p:notesMasterId r:id="rId6"/>
+    <p:notesMasterId r:id="rId12"/>
   </p:notesMasterIdLst>
   <p:sldIdLst>
-    <p:sldId id="266" r:id="rId7"/>
-    <p:sldId id="260" r:id="rId8"/>
-    <p:sldId id="256" r:id="rId9"/>
-    <p:sldId id="267" r:id="rId10"/>
-    <p:sldId id="258" r:id="rId11"/>
-    <p:sldId id="259" r:id="rId12"/>
-    <p:sldId id="265" r:id="rId13"/>
-    <p:sldId id="257" r:id="rId14"/>
-    <p:sldId id="262" r:id="rId15"/>
-    <p:sldId id="261" r:id="rId16"/>
-    <p:sldId id="264" r:id="rId17"/>
-    <p:sldId id="263" r:id="rId18"/>
+    <p:sldId id="266" r:id="rId2"/>
+    <p:sldId id="260" r:id="rId3"/>
+    <p:sldId id="258" r:id="rId4"/>
+    <p:sldId id="259" r:id="rId5"/>
+    <p:sldId id="265" r:id="rId6"/>
+    <p:sldId id="257" r:id="rId7"/>
+    <p:sldId id="262" r:id="rId8"/>
+    <p:sldId id="261" r:id="rId9"/>
+    <p:sldId id="264" r:id="rId10"/>
+    <p:sldId id="263" r:id="rId11"/>
   </p:sldIdLst>
   <p:sldSz cx="12192000" cy="6858000"/>
   <p:notesSz cx="6858000" cy="9144000"/>
@@ -223,11 +221,19 @@
       </a:defRPr>
     </a:lvl9pPr>
   </p:defaultTextStyle>
+  <p:extLst>
+    <p:ext uri="{EFAFB233-063F-42B5-8137-9DF3F51BA10A}">
+      <p15:sldGuideLst xmlns:p15="http://schemas.microsoft.com/office/powerpoint/2012/main"/>
+    </p:ext>
+    <p:ext uri="{2D200454-40CA-4A62-9FC3-DE9A4176ACB9}">
+      <p15:notesGuideLst xmlns:p15="http://schemas.microsoft.com/office/powerpoint/2012/main"/>
+    </p:ext>
+  </p:extLst>
 </p:presentation>
 </file>
 
 <file path=ppt/notesMasters/notesMaster1.xml><?xml version="1.0" encoding="utf-8"?>
-<p:notesMaster xmlns:p="http://schemas.openxmlformats.org/presentationml/2006/main" xmlns:mc="http://schemas.openxmlformats.org/markup-compatibility/2006" xmlns:p14="http://schemas.microsoft.com/office/powerpoint/2010/main" xmlns:p15="http://schemas.microsoft.com/office/powerpoint/2012/main" xmlns:r="http://schemas.openxmlformats.org/officeDocument/2006/relationships" xmlns:a="http://schemas.openxmlformats.org/drawingml/2006/main">
+<p:notesMaster xmlns:a="http://schemas.openxmlformats.org/drawingml/2006/main" xmlns:r="http://schemas.openxmlformats.org/officeDocument/2006/relationships" xmlns:p="http://schemas.openxmlformats.org/presentationml/2006/main">
   <p:cSld>
     <p:bg>
       <p:bgPr>
@@ -258,7 +264,7 @@
             <a:spLocks noGrp="1" noChangeArrowheads="1"/>
             <a:extLst>
               <a:ext uri="smNativeData">
-                <pr:smNativeData xmlns:pr="smNativeData" xmlns="smNativeData" val="SMDATA_16_xzE7ZxMAAAAlAAAAZAAAAA8BAAAAkAAAAEgAAACQAAAASAAAAAAAAAAAAAAAAAAAAAEAAABQAAAAAAAAAAAA4D8AAAAAAADgPwAAAAAAAOA/AAAAAAAA4D8AAAAAAADgPwAAAAAAAOA/AAAAAAAA4D8AAAAAAADgPwAAAAAAAOA/AAAAAAAA4D8CAAAAjAAAAAAAAAAAAAAAu+DjDP///wgAAAAAAAAAAAAAAAAAAAAAAAAAAAAAAAAAAAAAZAAAAAEAAABAAAAAAAAAAAAAAAAAAAAAAAAAAAAAAAAAAAAAAAAAAAAAAAAAAAAAAAAAAAAAAAAAAAAAAAAAAAAAAAAAAAAAAAAAAAAAAAAAAAAAAAAAAAAAAAAAAAAAFAAAADwAAAAAAAAAAAAAAAAAAAkUAAAAAQAAABQAAAAUAAAAFAAAAAEAAAAAAAAAZAAAAGQAAAAAAAAAZAAAAGQAAAAVAAAAYAAAAAAAAAAAAAAADwAAACADAAAAAAAAAAAAAAEAAACgMgAAVgcAAKr4//8BAAAAf39/AAEAAABkAAAAAAAAABQAAABAHwAAAAAAACYAAAAAAAAAwOD//wAAAAAmAAAAZAAAABYAAABMAAAAAAAAAAAAAAAEAAAAAAAAAAEAAACAgIAKAAAAACgAAAAoAAAAZAAAAGQAAAAAAAAAzMzMAAAAAABQAAAAUAAAAGQAAABkAAAAAAAAABcAAAAUAAAAAAAAAAAAAAD/fwAA/38AAAAAAAAJAAAABAAAAAAAAAAeAAAAaAAAAAAAAAAAAAAAAAAAAAAAAAAAAAAAECcAABAnAAAAAAAAAAAAAAAAAAAAAAAAAAAAAAAAAAAAAAAAAAAAABQAAAAAAAAAwMD/AAAAAABkAAAAMgAAAAAAAABkAAAAAAAAAH9/fwAKAAAAIgAAABgAAAAAAAAAAAAAAAAAAAAAAAAAAAAAAAAAAAAkAAAAJAAAAAAAAAAHAAAAAAAAAAAAAAAAAAAAAAAAAAAAAAAAAAAAf39/ACUAAABYAAAAAAAAAAAAAAAAAAAAAAAAAAAAAAAAAAAAAAAAAAAAAAAAAAAAAAAAAAAAAAA/AAAAAAAAAKCGAQAAAAAAAAAAAAAAAAAMAAAAAQAAAAAAAAAAAAAAAAAAAB8AAABUAAAAAAAABQAAAAEAAAAAAAAAAAAAAAAAAAAAAAAAAAAAAAAAAAAAAAAAAAAAAAJ/f38AAAAAA8zMzADAwP8Af39/AAAAAAAAAAAAAAAAAAAAAAAAAAAAIQAAABgAAAAUAAAAAAAAAAAAAABIEgAA0AIAABAAAAAmAAAACAAAAP//////////MAAAABQAAAAAAAAAAAD//wAAAQAAAP//AAABAA=="/>
+                <pr:smNativeData xmlns:mc="http://schemas.openxmlformats.org/markup-compatibility/2006" xmlns:p14="http://schemas.microsoft.com/office/powerpoint/2010/main" xmlns:p15="http://schemas.microsoft.com/office/powerpoint/2012/main" xmlns:pr="smNativeData" xmlns="smNativeData" val="SMDATA_16_xzE7ZxMAAAAlAAAAZAAAAA8BAAAAkAAAAEgAAACQAAAASAAAAAAAAAAAAAAAAAAAAAEAAABQAAAAAAAAAAAA4D8AAAAAAADgPwAAAAAAAOA/AAAAAAAA4D8AAAAAAADgPwAAAAAAAOA/AAAAAAAA4D8AAAAAAADgPwAAAAAAAOA/AAAAAAAA4D8CAAAAjAAAAAAAAAAAAAAAu+DjDP///wgAAAAAAAAAAAAAAAAAAAAAAAAAAAAAAAAAAAAAZAAAAAEAAABAAAAAAAAAAAAAAAAAAAAAAAAAAAAAAAAAAAAAAAAAAAAAAAAAAAAAAAAAAAAAAAAAAAAAAAAAAAAAAAAAAAAAAAAAAAAAAAAAAAAAAAAAAAAAAAAAAAAAFAAAADwAAAAAAAAAAAAAAAAAAAkUAAAAAQAAABQAAAAUAAAAFAAAAAEAAAAAAAAAZAAAAGQAAAAAAAAAZAAAAGQAAAAVAAAAYAAAAAAAAAAAAAAADwAAACADAAAAAAAAAAAAAAEAAACgMgAAVgcAAKr4//8BAAAAf39/AAEAAABkAAAAAAAAABQAAABAHwAAAAAAACYAAAAAAAAAwOD//wAAAAAmAAAAZAAAABYAAABMAAAAAAAAAAAAAAAEAAAAAAAAAAEAAACAgIAKAAAAACgAAAAoAAAAZAAAAGQAAAAAAAAAzMzMAAAAAABQAAAAUAAAAGQAAABkAAAAAAAAABcAAAAUAAAAAAAAAAAAAAD/fwAA/38AAAAAAAAJAAAABAAAAAAAAAAeAAAAaAAAAAAAAAAAAAAAAAAAAAAAAAAAAAAAECcAABAnAAAAAAAAAAAAAAAAAAAAAAAAAAAAAAAAAAAAAAAAAAAAABQAAAAAAAAAwMD/AAAAAABkAAAAMgAAAAAAAABkAAAAAAAAAH9/fwAKAAAAIgAAABgAAAAAAAAAAAAAAAAAAAAAAAAAAAAAAAAAAAAkAAAAJAAAAAAAAAAHAAAAAAAAAAAAAAAAAAAAAAAAAAAAAAAAAAAAf39/ACUAAABYAAAAAAAAAAAAAAAAAAAAAAAAAAAAAAAAAAAAAAAAAAAAAAAAAAAAAAAAAAAAAAA/AAAAAAAAAKCGAQAAAAAAAAAAAAAAAAAMAAAAAQAAAAAAAAAAAAAAAAAAAB8AAABUAAAAAAAABQAAAAEAAAAAAAAAAAAAAAAAAAAAAAAAAAAAAAAAAAAAAAAAAAAAAAJ/f38AAAAAA8zMzADAwP8Af39/AAAAAAAAAAAAAAAAAAAAAAAAAAAAIQAAABgAAAAUAAAAAAAAAAAAAABIEgAA0AIAABAAAAAmAAAACAAAAP//////////MAAAABQAAAAAAAAAAAD//wAAAQAAAP//AAABAA=="/>
               </a:ext>
             </a:extLst>
           </p:cNvSpPr>
@@ -319,6 +325,7 @@
             <a:pPr>
               <a:defRPr lang="ru-ru"/>
             </a:pPr>
+            <a:endParaRPr/>
           </a:p>
         </p:txBody>
       </p:sp>
@@ -329,7 +336,7 @@
             <a:spLocks noGrp="1" noChangeArrowheads="1"/>
             <a:extLst>
               <a:ext uri="smNativeData">
-                <pr:smNativeData xmlns:pr="smNativeData" xmlns="smNativeData" val="SMDATA_16_xzE7ZxMAAAAlAAAAZAAAAA8BAAAAkAAAAEgAAACQAAAASAAAAAAAAAAAAAAAAAAAAAEAAABQAAAAAAAAAAAA4D8AAAAAAADgPwAAAAAAAOA/AAAAAAAA4D8AAAAAAADgPwAAAAAAAOA/AAAAAAAA4D8AAAAAAADgPwAAAAAAAOA/AAAAAAAA4D8CAAAAjAAAAAAAAAAAAAAAu+DjDP///wgAAAAAAAAAAAAAAAAAAAAAAAAAAAAAAAAAAAAAZAAAAAEAAABAAAAAAAAAAAAAAAAAAAAAAAAAAAAAAAAAAAAAAAAAAAAAAAAAAAAAAAAAAAAAAAAAAAAAAAAAAAAAAAAAAAAAAAAAAAAAAAAAAAAAAAAAAAAAAAAAAAAAFAAAADwAAAAAAAAAAAAAAAAAAAkUAAAAAQAAABQAAAAUAAAAFAAAAAEAAAAAAAAAZAAAAGQAAAAAAAAAZAAAAGQAAAAVAAAAYAAAAAAAAAAAAAAADwAAACADAAAAAAAAAAAAAAEAAACgMgAAVgcAAKr4//8BAAAAf39/AAEAAABkAAAAAAAAABQAAABAHwAAAAAAACYAAAAAAAAAwOD//wAAAAAmAAAAZAAAABYAAABMAAAAAAAAAAAAAAAEAAAAAAAAAAEAAACAgIAKAAAAACgAAAAoAAAAZAAAAGQAAAAAAAAAzMzMAAAAAABQAAAAUAAAAGQAAABkAAAAAAAAABcAAAAUAAAAAAAAAAAAAAD/fwAA/38AAAAAAAAJAAAABAAAAAAAAAAeAAAAaAAAAAAAAAAAAAAAAAAAAAAAAAAAAAAAECcAABAnAAAAAAAAAAAAAAAAAAAAAAAAAAAAAAAAAAAAAAAAAAAAABQAAAAAAAAAwMD/AAAAAABkAAAAMgAAAAAAAABkAAAAAAAAAH9/fwAKAAAAIgAAABgAAAAAAAAAAAAAAAAAAAAAAAAAAAAAAAAAAAAkAAAAJAAAAAAAAAAHAAAAAAAAAAAAAAAAAAAAAAAAAAAAAAAAAAAAf39/ACUAAABYAAAAAAAAAAAAAAAAAAAAAAAAAAAAAAAAAAAAAAAAAAAAAAAAAAAAAAAAAAAAAAA/AAAAAAAAAKCGAQAAAAAAAAAAAAAAAAAMAAAAAQAAAAAAAAAAAAAAAAAAAB8AAABUAAAAAAAABQAAAAEAAAAAAAAAAAAAAAAAAAAAAAAAAAAAAAAAAAAAAAAAAAAAAAJ/f38AAAAAA8zMzADAwP8Af39/AAAAAAAAAAAAAAAAAAAAAAAAAAAAIQAAABgAAAAUAAAA6BcAAAAAAAAwKgAA0AIAABAAAAAmAAAACAAAAP//////////MAAAABQAAAAAAAAAAAD//wAAAQAAAP//AAABAA=="/>
+                <pr:smNativeData xmlns:mc="http://schemas.openxmlformats.org/markup-compatibility/2006" xmlns:p14="http://schemas.microsoft.com/office/powerpoint/2010/main" xmlns:p15="http://schemas.microsoft.com/office/powerpoint/2012/main" xmlns:pr="smNativeData" xmlns="smNativeData" val="SMDATA_16_xzE7ZxMAAAAlAAAAZAAAAA8BAAAAkAAAAEgAAACQAAAASAAAAAAAAAAAAAAAAAAAAAEAAABQAAAAAAAAAAAA4D8AAAAAAADgPwAAAAAAAOA/AAAAAAAA4D8AAAAAAADgPwAAAAAAAOA/AAAAAAAA4D8AAAAAAADgPwAAAAAAAOA/AAAAAAAA4D8CAAAAjAAAAAAAAAAAAAAAu+DjDP///wgAAAAAAAAAAAAAAAAAAAAAAAAAAAAAAAAAAAAAZAAAAAEAAABAAAAAAAAAAAAAAAAAAAAAAAAAAAAAAAAAAAAAAAAAAAAAAAAAAAAAAAAAAAAAAAAAAAAAAAAAAAAAAAAAAAAAAAAAAAAAAAAAAAAAAAAAAAAAAAAAAAAAFAAAADwAAAAAAAAAAAAAAAAAAAkUAAAAAQAAABQAAAAUAAAAFAAAAAEAAAAAAAAAZAAAAGQAAAAAAAAAZAAAAGQAAAAVAAAAYAAAAAAAAAAAAAAADwAAACADAAAAAAAAAAAAAAEAAACgMgAAVgcAAKr4//8BAAAAf39/AAEAAABkAAAAAAAAABQAAABAHwAAAAAAACYAAAAAAAAAwOD//wAAAAAmAAAAZAAAABYAAABMAAAAAAAAAAAAAAAEAAAAAAAAAAEAAACAgIAKAAAAACgAAAAoAAAAZAAAAGQAAAAAAAAAzMzMAAAAAABQAAAAUAAAAGQAAABkAAAAAAAAABcAAAAUAAAAAAAAAAAAAAD/fwAA/38AAAAAAAAJAAAABAAAAAAAAAAeAAAAaAAAAAAAAAAAAAAAAAAAAAAAAAAAAAAAECcAABAnAAAAAAAAAAAAAAAAAAAAAAAAAAAAAAAAAAAAAAAAAAAAABQAAAAAAAAAwMD/AAAAAABkAAAAMgAAAAAAAABkAAAAAAAAAH9/fwAKAAAAIgAAABgAAAAAAAAAAAAAAAAAAAAAAAAAAAAAAAAAAAAkAAAAJAAAAAAAAAAHAAAAAAAAAAAAAAAAAAAAAAAAAAAAAAAAAAAAf39/ACUAAABYAAAAAAAAAAAAAAAAAAAAAAAAAAAAAAAAAAAAAAAAAAAAAAAAAAAAAAAAAAAAAAA/AAAAAAAAAKCGAQAAAAAAAAAAAAAAAAAMAAAAAQAAAAAAAAAAAAAAAAAAAB8AAABUAAAAAAAABQAAAAEAAAAAAAAAAAAAAAAAAAAAAAAAAAAAAAAAAAAAAAAAAAAAAAJ/f38AAAAAA8zMzADAwP8Af39/AAAAAAAAAAAAAAAAAAAAAAAAAAAAIQAAABgAAAAUAAAA6BcAAAAAAAAwKgAA0AIAABAAAAAmAAAACAAAAP//////////MAAAABQAAAAAAAAAAAD//wAAAQAAAP//AAABAA=="/>
               </a:ext>
             </a:extLst>
           </p:cNvSpPr>
@@ -391,8 +398,9 @@
               <a:defRPr lang="ru-ru"/>
             </a:pPr>
             <a:fld id="{3BC5E683-CDD6-9010-987D-3B45A8336E6E}" type="datetime1">
-              <a:t/>
+              <a:t>20.11.2024</a:t>
             </a:fld>
+            <a:endParaRPr/>
           </a:p>
         </p:txBody>
       </p:sp>
@@ -400,10 +408,10 @@
         <p:nvSpPr>
           <p:cNvPr id="4" name="РисунокСлайда1"/>
           <p:cNvSpPr>
-            <a:spLocks noGrp="1" noChangeArrowheads="1"/>
-            <a:extLst>
-              <a:ext uri="smNativeData">
-                <pr:smNativeData xmlns:pr="smNativeData" xmlns="smNativeData" val="SMDATA_16_xzE7ZxMAAAAlAAAAZAAAAA8BAAAAkAAAAEgAAACQAAAASAAAAAAAAAABAAAAAAAAAAEAAABQAAAAAAAAAAAA4D8AAAAAAADgPwAAAAAAAOA/AAAAAAAA4D8AAAAAAADgPwAAAAAAAOA/AAAAAAAA4D8AAAAAAADgPwAAAAAAAOA/AAAAAAAA4D8CAAAAjAAAAAEAAAAAAAAAu+DjDP///wgAAAAAAAAAAAAAAAAAAAAAAAAAAAAAAAAAAAAAZAAAAAEAAABAAAAAAAAAAAAAAAAAAAAAAAAAAAAAAAAAAAAAAAAAAAAAAAAAAAAAAAAAAAAAAAAAAAAAAAAAAAAAAAAAAAAAAAAAAAAAAAAAAAAAAAAAAAAAAAAAAAAAFAAAADwAAAABAAAAAAAAAAAAAAkUAAAAAQAAABQAAAAUAAAAFAAAAAEAAAAAAAAAZAAAAGQAAAAAAAAAZAAAAGQAAAAVAAAAYAAAAAAAAAAAAAAADwAAACADAAAAAAAAAAAAAAEAAACgMgAAVgcAAKr4//8BAAAAf39/AAEAAABkAAAAAAAAABQAAABAHwAAAAAAACYAAAAAAAAAwOD//wAAAAAmAAAAZAAAABYAAABMAAAAAAAAAAAAAAAEAAAAAAAAAAEAAACAgIAKAAAAACgAAAAoAAAAZAAAAGQAAAAAAAAAzMzMAAAAAABQAAAAUAAAAGQAAABkAAAAAAAAABcAAAAUAAAAAAAAAAAAAAD/fwAA/38AAAAAAAAJAAAABAAAAAAAAAAeAAAAaAAAAAAAAAAAAAAAAAAAAAAAAAAAAAAAECcAABAnAAAAAAAAAAAAAAAAAAAAAAAAAAAAAAAAAAAAAAAAAAAAABQAAAAAAAAAwMD/AAAAAABkAAAAMgAAAAAAAABkAAAAAAAAAH9/fwAKAAAAIgAAABgAAAAAAAAAAAAAAAAAAAAAAAAAAAAAAAAAAAAkAAAAJAAAAAAAAAAHAAAAAAAAAAAAAAAAAAAAAAAAAAAAAAAAAAAAf39/ACUAAABYAAAAAAAAAAAAAAAAAAAAAAAAAAAAAAAAAAAAAAAAAAAAAAAAAAAAAAAAAAAAAAA/AAAAAAAAAKCGAQAAAAAAAAAAAAAAAAAMAAAAAQAAAAAAAAAAAAAAAAAAAB8AAABUAAAAAAAABQAAAAEAAAAAAAAAAAAAAAAAAAAAAAAAAAAAAAAAAAAAAAAAAAAAAAJ/f38AAAAAA8zMzADAwP8Af39/AAAAAAAAAAAAAAAAAAAAAAAAAAAAIQAAABgAAAAUAAAACAcAADgEAAAoIwAAUBkAABAAAAAmAAAACAAAAP//////////MAAAABQAAAAAAAAAAAD//wAAAQAAAP//AAABAA=="/>
+            <a:spLocks noGrp="1" noRot="1" noChangeAspect="1" noChangeArrowheads="1"/>
+            <a:extLst>
+              <a:ext uri="smNativeData">
+                <pr:smNativeData xmlns:mc="http://schemas.openxmlformats.org/markup-compatibility/2006" xmlns:p14="http://schemas.microsoft.com/office/powerpoint/2010/main" xmlns:p15="http://schemas.microsoft.com/office/powerpoint/2012/main" xmlns:pr="smNativeData" xmlns="smNativeData" val="SMDATA_16_xzE7ZxMAAAAlAAAAZAAAAA8BAAAAkAAAAEgAAACQAAAASAAAAAAAAAABAAAAAAAAAAEAAABQAAAAAAAAAAAA4D8AAAAAAADgPwAAAAAAAOA/AAAAAAAA4D8AAAAAAADgPwAAAAAAAOA/AAAAAAAA4D8AAAAAAADgPwAAAAAAAOA/AAAAAAAA4D8CAAAAjAAAAAEAAAAAAAAAu+DjDP///wgAAAAAAAAAAAAAAAAAAAAAAAAAAAAAAAAAAAAAZAAAAAEAAABAAAAAAAAAAAAAAAAAAAAAAAAAAAAAAAAAAAAAAAAAAAAAAAAAAAAAAAAAAAAAAAAAAAAAAAAAAAAAAAAAAAAAAAAAAAAAAAAAAAAAAAAAAAAAAAAAAAAAFAAAADwAAAABAAAAAAAAAAAAAAkUAAAAAQAAABQAAAAUAAAAFAAAAAEAAAAAAAAAZAAAAGQAAAAAAAAAZAAAAGQAAAAVAAAAYAAAAAAAAAAAAAAADwAAACADAAAAAAAAAAAAAAEAAACgMgAAVgcAAKr4//8BAAAAf39/AAEAAABkAAAAAAAAABQAAABAHwAAAAAAACYAAAAAAAAAwOD//wAAAAAmAAAAZAAAABYAAABMAAAAAAAAAAAAAAAEAAAAAAAAAAEAAACAgIAKAAAAACgAAAAoAAAAZAAAAGQAAAAAAAAAzMzMAAAAAABQAAAAUAAAAGQAAABkAAAAAAAAABcAAAAUAAAAAAAAAAAAAAD/fwAA/38AAAAAAAAJAAAABAAAAAAAAAAeAAAAaAAAAAAAAAAAAAAAAAAAAAAAAAAAAAAAECcAABAnAAAAAAAAAAAAAAAAAAAAAAAAAAAAAAAAAAAAAAAAAAAAABQAAAAAAAAAwMD/AAAAAABkAAAAMgAAAAAAAABkAAAAAAAAAH9/fwAKAAAAIgAAABgAAAAAAAAAAAAAAAAAAAAAAAAAAAAAAAAAAAAkAAAAJAAAAAAAAAAHAAAAAAAAAAAAAAAAAAAAAAAAAAAAAAAAAAAAf39/ACUAAABYAAAAAAAAAAAAAAAAAAAAAAAAAAAAAAAAAAAAAAAAAAAAAAAAAAAAAAAAAAAAAAA/AAAAAAAAAKCGAQAAAAAAAAAAAAAAAAAMAAAAAQAAAAAAAAAAAAAAAAAAAB8AAABUAAAAAAAABQAAAAEAAAAAAAAAAAAAAAAAAAAAAAAAAAAAAAAAAAAAAAAAAAAAAAJ/f38AAAAAA8zMzADAwP8Af39/AAAAAAAAAAAAAAAAAAAAAAAAAAAAIQAAABgAAAAUAAAACAcAADgEAAAoIwAAUBkAABAAAAAmAAAACAAAAP//////////MAAAABQAAAAAAAAAAAD//wAAAQAAAP//AAABAA=="/>
               </a:ext>
             </a:extLst>
           </p:cNvSpPr>
@@ -440,7 +448,7 @@
             <a:spLocks noGrp="1" noChangeArrowheads="1"/>
             <a:extLst>
               <a:ext uri="smNativeData">
-                <pr:smNativeData xmlns:pr="smNativeData" xmlns="smNativeData" val="SMDATA_16_xzE7ZxMAAAAlAAAAZAAAAA8BAAAAkAAAAEgAAACQAAAASAAAAAAAAAAAAAAAAAAAAAEAAABQAAAAAAAAAAAA4D8AAAAAAADgPwAAAAAAAOA/AAAAAAAA4D8AAAAAAADgPwAAAAAAAOA/AAAAAAAA4D8AAAAAAADgPwAAAAAAAOA/AAAAAAAA4D8CAAAAjAAAAAAAAAAAAAAAu+DjDP///wgAAAAAAAAAAAAAAAAAAAAAAAAAAAAAAAAAAAAAZAAAAAEAAABAAAAAAAAAAAAAAAAAAAAAAAAAAAAAAAAAAAAAAAAAAAAAAAAAAAAAAAAAAAAAAAAAAAAAAAAAAAAAAAAAAAAAAAAAAAAAAAAAAAAAAAAAAAAAAAAAAAAAFAAAADwAAAAAAAAAAAAAAAAAAAkUAAAAAQAAABQAAAAUAAAAFAAAAAEAAAAAAAAAZAAAAGQAAAAAAAAAZAAAAGQAAAAVAAAAYAAAAAAAAAAAAAAADwAAACADAAAAAAAAAAAAAAEAAACgMgAAVgcAAKr4//8BAAAAf39/AAEAAABkAAAAAAAAABQAAABAHwAAAAAAACYAAAAAAAAAwOD//wAAAAAmAAAAZAAAABYAAABMAAAAAAAAAAAAAAAEAAAAAAAAAAEAAACAgIAKAAAAACgAAAAoAAAAZAAAAGQAAAAAAAAAzMzMAAAAAABQAAAAUAAAAGQAAABkAAAAAAAAABcAAAAUAAAAAAAAAAAAAAD/fwAA/38AAAAAAAAJAAAABAAAAAAAAAAeAAAAaAAAAAAAAAAAAAAAAAAAAAAAAAAAAAAAECcAABAnAAAAAAAAAAAAAAAAAAAAAAAAAAAAAAAAAAAAAAAAAAAAABQAAAAAAAAAwMD/AAAAAABkAAAAMgAAAAAAAABkAAAAAAAAAH9/fwAKAAAAIgAAABgAAAAAAAAAAAAAAAAAAAAAAAAAAAAAAAAAAAAkAAAAJAAAAAAAAAAHAAAAAAAAAAAAAAAAAAAAAAAAAAAAAAAAAAAAf39/ACUAAABYAAAAAAAAAAAAAAAAAAAAAAAAAAAAAAAAAAAAAAAAAAAAAAAAAAAAAAAAAAAAAAA/AAAAAAAAAKCGAQAAAAAAAAAAAAAAAAAMAAAAAQAAAAAAAAAAAAAAAAAAAB8AAABUAAAAAAAABQAAAAEAAAAAAAAAAAAAAAAAAAAAAAAAAAAAAAAAAAAAAAAAAAAAAAJ/f38AAAAAA8zMzADAwP8Af39/AAAAAAAAAAAAAAAAAAAAAAAAAAAAIQAAABgAAAAUAAAAOAQAALgaAAD4JQAACDQAABAAAAAmAAAACAAAAP//////////MAAAABQAAAAAAAAAAAD//wAAAQAAAP//AAABAA=="/>
+                <pr:smNativeData xmlns:mc="http://schemas.openxmlformats.org/markup-compatibility/2006" xmlns:p14="http://schemas.microsoft.com/office/powerpoint/2010/main" xmlns:p15="http://schemas.microsoft.com/office/powerpoint/2012/main" xmlns:pr="smNativeData" xmlns="smNativeData" val="SMDATA_16_xzE7ZxMAAAAlAAAAZAAAAA8BAAAAkAAAAEgAAACQAAAASAAAAAAAAAAAAAAAAAAAAAEAAABQAAAAAAAAAAAA4D8AAAAAAADgPwAAAAAAAOA/AAAAAAAA4D8AAAAAAADgPwAAAAAAAOA/AAAAAAAA4D8AAAAAAADgPwAAAAAAAOA/AAAAAAAA4D8CAAAAjAAAAAAAAAAAAAAAu+DjDP///wgAAAAAAAAAAAAAAAAAAAAAAAAAAAAAAAAAAAAAZAAAAAEAAABAAAAAAAAAAAAAAAAAAAAAAAAAAAAAAAAAAAAAAAAAAAAAAAAAAAAAAAAAAAAAAAAAAAAAAAAAAAAAAAAAAAAAAAAAAAAAAAAAAAAAAAAAAAAAAAAAAAAAFAAAADwAAAAAAAAAAAAAAAAAAAkUAAAAAQAAABQAAAAUAAAAFAAAAAEAAAAAAAAAZAAAAGQAAAAAAAAAZAAAAGQAAAAVAAAAYAAAAAAAAAAAAAAADwAAACADAAAAAAAAAAAAAAEAAACgMgAAVgcAAKr4//8BAAAAf39/AAEAAABkAAAAAAAAABQAAABAHwAAAAAAACYAAAAAAAAAwOD//wAAAAAmAAAAZAAAABYAAABMAAAAAAAAAAAAAAAEAAAAAAAAAAEAAACAgIAKAAAAACgAAAAoAAAAZAAAAGQAAAAAAAAAzMzMAAAAAABQAAAAUAAAAGQAAABkAAAAAAAAABcAAAAUAAAAAAAAAAAAAAD/fwAA/38AAAAAAAAJAAAABAAAAAAAAAAeAAAAaAAAAAAAAAAAAAAAAAAAAAAAAAAAAAAAECcAABAnAAAAAAAAAAAAAAAAAAAAAAAAAAAAAAAAAAAAAAAAAAAAABQAAAAAAAAAwMD/AAAAAABkAAAAMgAAAAAAAABkAAAAAAAAAH9/fwAKAAAAIgAAABgAAAAAAAAAAAAAAAAAAAAAAAAAAAAAAAAAAAAkAAAAJAAAAAAAAAAHAAAAAAAAAAAAAAAAAAAAAAAAAAAAAAAAAAAAf39/ACUAAABYAAAAAAAAAAAAAAAAAAAAAAAAAAAAAAAAAAAAAAAAAAAAAAAAAAAAAAAAAAAAAAA/AAAAAAAAAKCGAQAAAAAAAAAAAAAAAAAMAAAAAQAAAAAAAAAAAAAAAAAAAB8AAABUAAAAAAAABQAAAAEAAAAAAAAAAAAAAAAAAAAAAAAAAAAAAAAAAAAAAAAAAAAAAAJ/f38AAAAAA8zMzADAwP8Af39/AAAAAAAAAAAAAAAAAAAAAAAAAAAAIQAAABgAAAAUAAAAOAQAALgaAAD4JQAACDQAABAAAAAmAAAACAAAAP//////////MAAAABQAAAAAAAAAAAD//wAAAQAAAP//AAABAA=="/>
               </a:ext>
             </a:extLst>
           </p:cNvSpPr>
@@ -518,7 +526,7 @@
             <a:spLocks noGrp="1" noChangeArrowheads="1"/>
             <a:extLst>
               <a:ext uri="smNativeData">
-                <pr:smNativeData xmlns:pr="smNativeData" xmlns="smNativeData" val="SMDATA_16_xzE7ZxMAAAAlAAAAZAAAAA8BAAAAkAAAAEgAAACQAAAASAAAAAAAAAACAAAAAAAAAAEAAABQAAAAAAAAAAAA4D8AAAAAAADgPwAAAAAAAOA/AAAAAAAA4D8AAAAAAADgPwAAAAAAAOA/AAAAAAAA4D8AAAAAAADgPwAAAAAAAOA/AAAAAAAA4D8CAAAAjAAAAAAAAAAAAAAAu+DjDP///wgAAAAAAAAAAAAAAAAAAAAAAAAAAAAAAAAAAAAAZAAAAAEAAABAAAAAAAAAAAAAAAAAAAAAAAAAAAAAAAAAAAAAAAAAAAAAAAAAAAAAAAAAAAAAAAAAAAAAAAAAAAAAAAAAAAAAAAAAAAAAAAAAAAAAAAAAAAAAAAAAAAAAFAAAADwAAAAAAAAAAAAAAAAAAAkUAAAAAQAAABQAAAAUAAAAFAAAAAEAAAAAAAAAZAAAAGQAAAAAAAAAZAAAAGQAAAAVAAAAYAAAAAAAAAAAAAAADwAAACADAAAAAAAAAAAAAAEAAACgMgAAVgcAAKr4//8BAAAAf39/AAEAAABkAAAAAAAAABQAAABAHwAAAAAAACYAAAAAAAAAwOD//wAAAAAmAAAAZAAAABYAAABMAAAAAAAAAAAAAAAEAAAAAAAAAAEAAACAgIAKAAAAACgAAAAoAAAAZAAAAGQAAAAAAAAAzMzMAAAAAABQAAAAUAAAAGQAAABkAAAAAAAAABcAAAAUAAAAAAAAAAAAAAD/fwAA/38AAAAAAAAJAAAABAAAAAAAAAAeAAAAaAAAAAAAAAAAAAAAAAAAAAAAAAAAAAAAECcAABAnAAAAAAAAAAAAAAAAAAAAAAAAAAAAAAAAAAAAAAAAAAAAABQAAAAAAAAAwMD/AAAAAABkAAAAMgAAAAAAAABkAAAAAAAAAH9/fwAKAAAAIgAAABgAAAAAAAAAAAAAAAAAAAAAAAAAAAAAAAAAAAAkAAAAJAAAAAAAAAAHAAAAAAAAAAAAAAAAAAAAAAAAAAAAAAAAAAAAf39/ACUAAABYAAAAAAAAAAAAAAAAAAAAAAAAAAAAAAAAAAAAAAAAAAAAAAAAAAAAAAAAAAAAAAA/AAAAAAAAAKCGAQAAAAAAAAAAAAAAAAAMAAAAAQAAAAAAAAAAAAAAAAAAAB8AAABUAAAAAAAABQAAAAEAAAAAAAAAAAAAAAAAAAAAAAAAAAAAAAAAAAAAAAAAAAAAAAJ/f38AAAAAA8zMzADAwP8Af39/AAAAAAAAAAAAAAAAAAAAAAAAAAAAIQAAABgAAAAUAAAAAAAAAHA1AABIEgAAQDgAABAAAAAmAAAACAAAAP//////////MAAAABQAAAAAAAAAAAD//wAAAQAAAP//AAABAA=="/>
+                <pr:smNativeData xmlns:mc="http://schemas.openxmlformats.org/markup-compatibility/2006" xmlns:p14="http://schemas.microsoft.com/office/powerpoint/2010/main" xmlns:p15="http://schemas.microsoft.com/office/powerpoint/2012/main" xmlns:pr="smNativeData" xmlns="smNativeData" val="SMDATA_16_xzE7ZxMAAAAlAAAAZAAAAA8BAAAAkAAAAEgAAACQAAAASAAAAAAAAAACAAAAAAAAAAEAAABQAAAAAAAAAAAA4D8AAAAAAADgPwAAAAAAAOA/AAAAAAAA4D8AAAAAAADgPwAAAAAAAOA/AAAAAAAA4D8AAAAAAADgPwAAAAAAAOA/AAAAAAAA4D8CAAAAjAAAAAAAAAAAAAAAu+DjDP///wgAAAAAAAAAAAAAAAAAAAAAAAAAAAAAAAAAAAAAZAAAAAEAAABAAAAAAAAAAAAAAAAAAAAAAAAAAAAAAAAAAAAAAAAAAAAAAAAAAAAAAAAAAAAAAAAAAAAAAAAAAAAAAAAAAAAAAAAAAAAAAAAAAAAAAAAAAAAAAAAAAAAAFAAAADwAAAAAAAAAAAAAAAAAAAkUAAAAAQAAABQAAAAUAAAAFAAAAAEAAAAAAAAAZAAAAGQAAAAAAAAAZAAAAGQAAAAVAAAAYAAAAAAAAAAAAAAADwAAACADAAAAAAAAAAAAAAEAAACgMgAAVgcAAKr4//8BAAAAf39/AAEAAABkAAAAAAAAABQAAABAHwAAAAAAACYAAAAAAAAAwOD//wAAAAAmAAAAZAAAABYAAABMAAAAAAAAAAAAAAAEAAAAAAAAAAEAAACAgIAKAAAAACgAAAAoAAAAZAAAAGQAAAAAAAAAzMzMAAAAAABQAAAAUAAAAGQAAABkAAAAAAAAABcAAAAUAAAAAAAAAAAAAAD/fwAA/38AAAAAAAAJAAAABAAAAAAAAAAeAAAAaAAAAAAAAAAAAAAAAAAAAAAAAAAAAAAAECcAABAnAAAAAAAAAAAAAAAAAAAAAAAAAAAAAAAAAAAAAAAAAAAAABQAAAAAAAAAwMD/AAAAAABkAAAAMgAAAAAAAABkAAAAAAAAAH9/fwAKAAAAIgAAABgAAAAAAAAAAAAAAAAAAAAAAAAAAAAAAAAAAAAkAAAAJAAAAAAAAAAHAAAAAAAAAAAAAAAAAAAAAAAAAAAAAAAAAAAAf39/ACUAAABYAAAAAAAAAAAAAAAAAAAAAAAAAAAAAAAAAAAAAAAAAAAAAAAAAAAAAAAAAAAAAAA/AAAAAAAAAKCGAQAAAAAAAAAAAAAAAAAMAAAAAQAAAAAAAAAAAAAAAAAAAB8AAABUAAAAAAAABQAAAAEAAAAAAAAAAAAAAAAAAAAAAAAAAAAAAAAAAAAAAAAAAAAAAAJ/f38AAAAAA8zMzADAwP8Af39/AAAAAAAAAAAAAAAAAAAAAAAAAAAAIQAAABgAAAAUAAAAAAAAAHA1AABIEgAAQDgAABAAAAAmAAAACAAAAP//////////MAAAABQAAAAAAAAAAAD//wAAAQAAAP//AAABAA=="/>
               </a:ext>
             </a:extLst>
           </p:cNvSpPr>
@@ -579,6 +587,7 @@
             <a:pPr>
               <a:defRPr lang="ru-ru"/>
             </a:pPr>
+            <a:endParaRPr/>
           </a:p>
         </p:txBody>
       </p:sp>
@@ -589,7 +598,7 @@
             <a:spLocks noGrp="1" noChangeArrowheads="1"/>
             <a:extLst>
               <a:ext uri="smNativeData">
-                <pr:smNativeData xmlns:pr="smNativeData" xmlns="smNativeData" val="SMDATA_16_xzE7ZxMAAAAlAAAAZAAAAA8BAAAAkAAAAEgAAACQAAAASAAAAAAAAAACAAAAAAAAAAEAAABQAAAAAAAAAAAA4D8AAAAAAADgPwAAAAAAAOA/AAAAAAAA4D8AAAAAAADgPwAAAAAAAOA/AAAAAAAA4D8AAAAAAADgPwAAAAAAAOA/AAAAAAAA4D8CAAAAjAAAAAAAAAAAAAAAu+DjDP///wgAAAAAAAAAAAAAAAAAAAAAAAAAAAAAAAAAAAAAZAAAAAEAAABAAAAAAAAAAAAAAAAAAAAAAAAAAAAAAAAAAAAAAAAAAAAAAAAAAAAAAAAAAAAAAAAAAAAAAAAAAAAAAAAAAAAAAAAAAAAAAAAAAAAAAAAAAAAAAAAAAAAAFAAAADwAAAAAAAAAAAAAAAAAAAkUAAAAAQAAABQAAAAUAAAAFAAAAAEAAAAAAAAAZAAAAGQAAAAAAAAAZAAAAGQAAAAVAAAAYAAAAAAAAAAAAAAADwAAACADAAAAAAAAAAAAAAEAAACgMgAAVgcAAKr4//8BAAAAf39/AAEAAABkAAAAAAAAABQAAABAHwAAAAAAACYAAAAAAAAAwOD//wAAAAAmAAAAZAAAABYAAABMAAAAAAAAAAAAAAAEAAAAAAAAAAEAAACAgIAKAAAAACgAAAAoAAAAZAAAAGQAAAAAAAAAzMzMAAAAAABQAAAAUAAAAGQAAABkAAAAAAAAABcAAAAUAAAAAAAAAAAAAAD/fwAA/38AAAAAAAAJAAAABAAAAAAAAAAeAAAAaAAAAAAAAAAAAAAAAAAAAAAAAAAAAAAAECcAABAnAAAAAAAAAAAAAAAAAAAAAAAAAAAAAAAAAAAAAAAAAAAAABQAAAAAAAAAwMD/AAAAAABkAAAAMgAAAAAAAABkAAAAAAAAAH9/fwAKAAAAIgAAABgAAAAAAAAAAAAAAAAAAAAAAAAAAAAAAAAAAAAkAAAAJAAAAAAAAAAHAAAAAAAAAAAAAAAAAAAAAAAAAAAAAAAAAAAAf39/ACUAAABYAAAAAAAAAAAAAAAAAAAAAAAAAAAAAAAAAAAAAAAAAAAAAAAAAAAAAAAAAAAAAAA/AAAAAAAAAKCGAQAAAAAAAAAAAAAAAAAMAAAAAQAAAAAAAAAAAAAAAAAAAB8AAABUAAAAAAAABQAAAAEAAAAAAAAAAAAAAAAAAAAAAAAAAAAAAAAAAAAAAAAAAAAAAAJ/f38AAAAAA8zMzADAwP8Af39/AAAAAAAAAAAAAAAAAAAAAAAAAAAAIQAAABgAAAAUAAAA6BcAAHA1AAAwKgAAQDgAABAAAAAmAAAACAAAAP//////////MAAAABQAAAAAAAAAAAD//wAAAQAAAP//AAABAA=="/>
+                <pr:smNativeData xmlns:mc="http://schemas.openxmlformats.org/markup-compatibility/2006" xmlns:p14="http://schemas.microsoft.com/office/powerpoint/2010/main" xmlns:p15="http://schemas.microsoft.com/office/powerpoint/2012/main" xmlns:pr="smNativeData" xmlns="smNativeData" val="SMDATA_16_xzE7ZxMAAAAlAAAAZAAAAA8BAAAAkAAAAEgAAACQAAAASAAAAAAAAAACAAAAAAAAAAEAAABQAAAAAAAAAAAA4D8AAAAAAADgPwAAAAAAAOA/AAAAAAAA4D8AAAAAAADgPwAAAAAAAOA/AAAAAAAA4D8AAAAAAADgPwAAAAAAAOA/AAAAAAAA4D8CAAAAjAAAAAAAAAAAAAAAu+DjDP///wgAAAAAAAAAAAAAAAAAAAAAAAAAAAAAAAAAAAAAZAAAAAEAAABAAAAAAAAAAAAAAAAAAAAAAAAAAAAAAAAAAAAAAAAAAAAAAAAAAAAAAAAAAAAAAAAAAAAAAAAAAAAAAAAAAAAAAAAAAAAAAAAAAAAAAAAAAAAAAAAAAAAAFAAAADwAAAAAAAAAAAAAAAAAAAkUAAAAAQAAABQAAAAUAAAAFAAAAAEAAAAAAAAAZAAAAGQAAAAAAAAAZAAAAGQAAAAVAAAAYAAAAAAAAAAAAAAADwAAACADAAAAAAAAAAAAAAEAAACgMgAAVgcAAKr4//8BAAAAf39/AAEAAABkAAAAAAAAABQAAABAHwAAAAAAACYAAAAAAAAAwOD//wAAAAAmAAAAZAAAABYAAABMAAAAAAAAAAAAAAAEAAAAAAAAAAEAAACAgIAKAAAAACgAAAAoAAAAZAAAAGQAAAAAAAAAzMzMAAAAAABQAAAAUAAAAGQAAABkAAAAAAAAABcAAAAUAAAAAAAAAAAAAAD/fwAA/38AAAAAAAAJAAAABAAAAAAAAAAeAAAAaAAAAAAAAAAAAAAAAAAAAAAAAAAAAAAAECcAABAnAAAAAAAAAAAAAAAAAAAAAAAAAAAAAAAAAAAAAAAAAAAAABQAAAAAAAAAwMD/AAAAAABkAAAAMgAAAAAAAABkAAAAAAAAAH9/fwAKAAAAIgAAABgAAAAAAAAAAAAAAAAAAAAAAAAAAAAAAAAAAAAkAAAAJAAAAAAAAAAHAAAAAAAAAAAAAAAAAAAAAAAAAAAAAAAAAAAAf39/ACUAAABYAAAAAAAAAAAAAAAAAAAAAAAAAAAAAAAAAAAAAAAAAAAAAAAAAAAAAAAAAAAAAAA/AAAAAAAAAKCGAQAAAAAAAAAAAAAAAAAMAAAAAQAAAAAAAAAAAAAAAAAAAB8AAABUAAAAAAAABQAAAAEAAAAAAAAAAAAAAAAAAAAAAAAAAAAAAAAAAAAAAAAAAAAAAAJ/f38AAAAAA8zMzADAwP8Af39/AAAAAAAAAAAAAAAAAAAAAAAAAAAAIQAAABgAAAAUAAAA6BcAAHA1AAAwKgAAQDgAABAAAAAmAAAACAAAAP//////////MAAAABQAAAAAAAAAAAD//wAAAQAAAP//AAABAA=="/>
               </a:ext>
             </a:extLst>
           </p:cNvSpPr>
@@ -651,8 +660,9 @@
               <a:defRPr lang="ru-ru"/>
             </a:pPr>
             <a:fld id="{3BC59C5E-10D6-906A-987D-E63FD2336EB3}" type="slidenum">
-              <a:t/>
+              <a:t>‹#›</a:t>
             </a:fld>
+            <a:endParaRPr/>
           </a:p>
         </p:txBody>
       </p:sp>
@@ -679,7 +689,7 @@
         </a:solidFill>
         <a:effectLst/>
         <a:latin typeface="Calibri" pitchFamily="2" charset="-52"/>
-        <a:ea typeface="SimSun" pitchFamily="0" charset="0"/>
+        <a:ea typeface="SimSun" charset="0"/>
         <a:cs typeface="Times New Roman" pitchFamily="1" charset="-52"/>
       </a:defRPr>
     </a:lvl1pPr>
@@ -701,7 +711,7 @@
         </a:solidFill>
         <a:effectLst/>
         <a:latin typeface="Calibri" pitchFamily="2" charset="-52"/>
-        <a:ea typeface="SimSun" pitchFamily="0" charset="0"/>
+        <a:ea typeface="SimSun" charset="0"/>
         <a:cs typeface="Times New Roman" pitchFamily="1" charset="-52"/>
       </a:defRPr>
     </a:lvl2pPr>
@@ -723,7 +733,7 @@
         </a:solidFill>
         <a:effectLst/>
         <a:latin typeface="Calibri" pitchFamily="2" charset="-52"/>
-        <a:ea typeface="SimSun" pitchFamily="0" charset="0"/>
+        <a:ea typeface="SimSun" charset="0"/>
         <a:cs typeface="Times New Roman" pitchFamily="1" charset="-52"/>
       </a:defRPr>
     </a:lvl3pPr>
@@ -745,7 +755,7 @@
         </a:solidFill>
         <a:effectLst/>
         <a:latin typeface="Calibri" pitchFamily="2" charset="-52"/>
-        <a:ea typeface="SimSun" pitchFamily="0" charset="0"/>
+        <a:ea typeface="SimSun" charset="0"/>
         <a:cs typeface="Times New Roman" pitchFamily="1" charset="-52"/>
       </a:defRPr>
     </a:lvl4pPr>
@@ -767,7 +777,7 @@
         </a:solidFill>
         <a:effectLst/>
         <a:latin typeface="Calibri" pitchFamily="2" charset="-52"/>
-        <a:ea typeface="SimSun" pitchFamily="0" charset="0"/>
+        <a:ea typeface="SimSun" charset="0"/>
         <a:cs typeface="Times New Roman" pitchFamily="1" charset="-52"/>
       </a:defRPr>
     </a:lvl5pPr>
@@ -789,7 +799,7 @@
         </a:solidFill>
         <a:effectLst/>
         <a:latin typeface="Calibri" pitchFamily="2" charset="-52"/>
-        <a:ea typeface="SimSun" pitchFamily="0" charset="0"/>
+        <a:ea typeface="SimSun" charset="0"/>
         <a:cs typeface="Times New Roman" pitchFamily="1" charset="-52"/>
       </a:defRPr>
     </a:lvl6pPr>
@@ -811,7 +821,7 @@
         </a:solidFill>
         <a:effectLst/>
         <a:latin typeface="Calibri" pitchFamily="2" charset="-52"/>
-        <a:ea typeface="SimSun" pitchFamily="0" charset="0"/>
+        <a:ea typeface="SimSun" charset="0"/>
         <a:cs typeface="Times New Roman" pitchFamily="1" charset="-52"/>
       </a:defRPr>
     </a:lvl7pPr>
@@ -833,7 +843,7 @@
         </a:solidFill>
         <a:effectLst/>
         <a:latin typeface="Calibri" pitchFamily="2" charset="-52"/>
-        <a:ea typeface="SimSun" pitchFamily="0" charset="0"/>
+        <a:ea typeface="SimSun" charset="0"/>
         <a:cs typeface="Times New Roman" pitchFamily="1" charset="-52"/>
       </a:defRPr>
     </a:lvl8pPr>
@@ -855,7 +865,7 @@
         </a:solidFill>
         <a:effectLst/>
         <a:latin typeface="Calibri" pitchFamily="2" charset="-52"/>
-        <a:ea typeface="SimSun" pitchFamily="0" charset="0"/>
+        <a:ea typeface="SimSun" charset="0"/>
         <a:cs typeface="Times New Roman" pitchFamily="1" charset="-52"/>
       </a:defRPr>
     </a:lvl9pPr>
@@ -864,7 +874,7 @@
 </file>
 
 <file path=ppt/notesSlides/notesSlide1.xml><?xml version="1.0" encoding="utf-8"?>
-<p:notes xmlns:p="http://schemas.openxmlformats.org/presentationml/2006/main" xmlns:mc="http://schemas.openxmlformats.org/markup-compatibility/2006" xmlns:p14="http://schemas.microsoft.com/office/powerpoint/2010/main" xmlns:p15="http://schemas.microsoft.com/office/powerpoint/2012/main" xmlns:r="http://schemas.openxmlformats.org/officeDocument/2006/relationships" xmlns:a="http://schemas.openxmlformats.org/drawingml/2006/main" showMasterSp="0">
+<p:notes xmlns:a="http://schemas.openxmlformats.org/drawingml/2006/main" xmlns:r="http://schemas.openxmlformats.org/officeDocument/2006/relationships" xmlns:p="http://schemas.openxmlformats.org/presentationml/2006/main" showMasterSp="0">
   <p:cSld>
     <p:bg>
       <p:bgPr>
@@ -892,10 +902,10 @@
         <p:nvSpPr>
           <p:cNvPr id="2" name="РисунокСлайда1"/>
           <p:cNvSpPr>
-            <a:spLocks noGrp="1" noChangeArrowheads="1"/>
-            <a:extLst>
-              <a:ext uri="smNativeData">
-                <pr:smNativeData xmlns:pr="smNativeData" xmlns="smNativeData" val="SMDATA_16_xzE7ZxMAAAAlAAAAZAAAAA8BAAAAkAAAAEgAAACQAAAASAAAAAAAAAABAAAAAAAAAAEAAABQAAAAAAAAAAAA4D8AAAAAAADgPwAAAAAAAOA/AAAAAAAA4D8AAAAAAADgPwAAAAAAAOA/AAAAAAAA4D8AAAAAAADgPwAAAAAAAOA/AAAAAAAA4D8CAAAAjAAAAAEAAAAAAAAARHLEDP///wgAAAAAAAAAAAAAAAAAAAAAAAAAAAAAAAAAAAAAZAAAAAEAAABAAAAAAAAAAAAAAAAAAAAAAAAAAAAAAAAAAAAAAAAAAAAAAAAAAAAAAAAAAAAAAAAAAAAAAAAAAAAAAAAAAAAAAAAAAAAAAAAAAAAAAAAAAAAAAAAAAAAAFAAAADwAAAABAAAAAAAAAAAAAAkUAAAAAQAAABQAAAAUAAAAFAAAAAEAAAAAAAAAZAAAAGQAAAAAAAAAZAAAAGQAAAAVAAAAYAAAAAAAAAAAAAAADwAAACADAAAAAAAAAAAAAAEAAACgMgAAVgcAAKr4//8BAAAAf39/AAEAAABkAAAAAAAAABQAAABAHwAAAAAAACYAAAAAAAAAwOD//wAAAAAmAAAAZAAAABYAAABMAAAAAAAAAAAAAAAEAAAAAAAAAAEAAADn5uYKAAAAACgAAAAoAAAAZAAAAGQAAAAAAAAAzMzMAAAAAABQAAAAUAAAAGQAAABkAAAAAAAAABcAAAAUAAAAAAAAAAAAAAD/fwAA/38AAAAAAAAJAAAABAAAAAAAAAAeAAAAaAAAAAAAAAAAAAAAAAAAAAAAAAAAAAAAECcAABAnAAAAAAAAAAAAAAAAAAAAAAAAAAAAAAAAAAAAAAAAAAAAABQAAAAAAAAAwMD/AAAAAABkAAAAMgAAAAAAAABkAAAAAAAAAH9/fwAKAAAAIgAAABgAAAAAAAAAAAAAAAAAAAAAAAAAAAAAAAAAAAAkAAAAJAAAAAAAAAAHAAAAAAAAAAAAAAAAAAAAAAAAAAAAAAAAAAAAf39/ACUAAABYAAAAAAAAAAAAAAAAAAAAAAAAAAAAAAAAAAAAAAAAAAAAAAAAAAAAAAAAAAAAAAA/AAAAAAAAAKCGAQAAAAAAAAAAAAAAAAAMAAAAAQAAAAAAAAAAAAAAAAAAAB8AAABUAAAAAAAABQAAAAEAAAAAAAAAAAAAAAAAAAAAAAAAAAAAAAAAAAAAAAAAAAAAAAJ/f38AAAAAA8zMzADAwP8Af39/AAAAAAAAAAAAAAAAAAAAAAAAAAAAIQAAABgAAAAUAAAACAcAADgEAAAoIwAAUBkAABAAAAAmAAAACAAAAP////8AAAAAMAAAABQAAAAAAAAAAAD//wAAAQAAAP//AAABAA=="/>
+            <a:spLocks noGrp="1" noRot="1" noChangeAspect="1" noChangeArrowheads="1"/>
+            <a:extLst>
+              <a:ext uri="smNativeData">
+                <pr:smNativeData xmlns:mc="http://schemas.openxmlformats.org/markup-compatibility/2006" xmlns:p14="http://schemas.microsoft.com/office/powerpoint/2010/main" xmlns:p15="http://schemas.microsoft.com/office/powerpoint/2012/main" xmlns:pr="smNativeData" xmlns="smNativeData" val="SMDATA_16_xzE7ZxMAAAAlAAAAZAAAAA8BAAAAkAAAAEgAAACQAAAASAAAAAAAAAABAAAAAAAAAAEAAABQAAAAAAAAAAAA4D8AAAAAAADgPwAAAAAAAOA/AAAAAAAA4D8AAAAAAADgPwAAAAAAAOA/AAAAAAAA4D8AAAAAAADgPwAAAAAAAOA/AAAAAAAA4D8CAAAAjAAAAAEAAAAAAAAARHLEDP///wgAAAAAAAAAAAAAAAAAAAAAAAAAAAAAAAAAAAAAZAAAAAEAAABAAAAAAAAAAAAAAAAAAAAAAAAAAAAAAAAAAAAAAAAAAAAAAAAAAAAAAAAAAAAAAAAAAAAAAAAAAAAAAAAAAAAAAAAAAAAAAAAAAAAAAAAAAAAAAAAAAAAAFAAAADwAAAABAAAAAAAAAAAAAAkUAAAAAQAAABQAAAAUAAAAFAAAAAEAAAAAAAAAZAAAAGQAAAAAAAAAZAAAAGQAAAAVAAAAYAAAAAAAAAAAAAAADwAAACADAAAAAAAAAAAAAAEAAACgMgAAVgcAAKr4//8BAAAAf39/AAEAAABkAAAAAAAAABQAAABAHwAAAAAAACYAAAAAAAAAwOD//wAAAAAmAAAAZAAAABYAAABMAAAAAAAAAAAAAAAEAAAAAAAAAAEAAADn5uYKAAAAACgAAAAoAAAAZAAAAGQAAAAAAAAAzMzMAAAAAABQAAAAUAAAAGQAAABkAAAAAAAAABcAAAAUAAAAAAAAAAAAAAD/fwAA/38AAAAAAAAJAAAABAAAAAAAAAAeAAAAaAAAAAAAAAAAAAAAAAAAAAAAAAAAAAAAECcAABAnAAAAAAAAAAAAAAAAAAAAAAAAAAAAAAAAAAAAAAAAAAAAABQAAAAAAAAAwMD/AAAAAABkAAAAMgAAAAAAAABkAAAAAAAAAH9/fwAKAAAAIgAAABgAAAAAAAAAAAAAAAAAAAAAAAAAAAAAAAAAAAAkAAAAJAAAAAAAAAAHAAAAAAAAAAAAAAAAAAAAAAAAAAAAAAAAAAAAf39/ACUAAABYAAAAAAAAAAAAAAAAAAAAAAAAAAAAAAAAAAAAAAAAAAAAAAAAAAAAAAAAAAAAAAA/AAAAAAAAAKCGAQAAAAAAAAAAAAAAAAAMAAAAAQAAAAAAAAAAAAAAAAAAAB8AAABUAAAAAAAABQAAAAEAAAAAAAAAAAAAAAAAAAAAAAAAAAAAAAAAAAAAAAAAAAAAAAJ/f38AAAAAA8zMzADAwP8Af39/AAAAAAAAAAAAAAAAAAAAAAAAAAAAIQAAABgAAAAUAAAACAcAADgEAAAoIwAAUBkAABAAAAAmAAAACAAAAP////8AAAAAMAAAABQAAAAAAAAAAAD//wAAAQAAAP//AAABAA=="/>
               </a:ext>
             </a:extLst>
           </p:cNvSpPr>
@@ -905,8 +915,8 @@
         </p:nvSpPr>
         <p:spPr>
           <a:xfrm>
-            <a:off x="1143000" y="685800"/>
-            <a:ext cx="4572000" cy="3429000"/>
+            <a:off x="381000" y="685800"/>
+            <a:ext cx="6096000" cy="3429000"/>
           </a:xfrm>
           <a:prstGeom prst="rect">
             <a:avLst/>
@@ -920,7 +930,7 @@
             <a:spLocks noGrp="1" noChangeArrowheads="1"/>
             <a:extLst>
               <a:ext uri="smNativeData">
-                <pr:smNativeData xmlns:pr="smNativeData" xmlns="smNativeData" val="SMDATA_16_xzE7ZxMAAAAlAAAAZAAAAA8BAAAAkAAAAEgAAACQAAAASAAAAAAAAAAAAAAAAAAAAAEAAABQAAAAAAAAAAAA4D8AAAAAAADgPwAAAAAAAOA/AAAAAAAA4D8AAAAAAADgPwAAAAAAAOA/AAAAAAAA4D8AAAAAAADgPwAAAAAAAOA/AAAAAAAA4D8CAAAAjAAAAAAAAAAAAAAARHLEDP///wgAAAAAAAAAAAAAAAAAAAAAAAAAAAAAAAAAAAAAZAAAAAEAAABAAAAAAAAAAAAAAAAAAAAAAAAAAAAAAAAAAAAAAAAAAAAAAAAAAAAAAAAAAAAAAAAAAAAAAAAAAAAAAAAAAAAAAAAAAAAAAAAAAAAAAAAAAAAAAAAAAAAAFAAAADwAAAAAAAAAAAAAAAAAAAkUAAAAAQAAABQAAAAUAAAAFAAAAAEAAAAAAAAAZAAAAGQAAAAAAAAAZAAAAGQAAAAVAAAAYAAAAAAAAAAAAAAADwAAACADAAAAAAAAAAAAAAEAAACgMgAAVgcAAKr4//8BAAAAf39/AAEAAABkAAAAAAAAABQAAABAHwAAAAAAACYAAAAAAAAAwOD//wAAAAAmAAAAZAAAABYAAABMAAAAAAAAAAAAAAAEAAAAAAAAAAEAAADn5uYKAAAAACgAAAAoAAAAZAAAAGQAAAAAAAAAzMzMAAAAAABQAAAAUAAAAGQAAABkAAAAAAAAABcAAAAUAAAAAAAAAAAAAAD/fwAA/38AAAAAAAAJAAAABAAAAAAAAAAeAAAAaAAAAAAAAAAAAAAAAAAAAAAAAAAAAAAAECcAABAnAAAAAAAAAAAAAAAAAAAAAAAAAAAAAAAAAAAAAAAAAAAAABQAAAAAAAAAwMD/AAAAAABkAAAAMgAAAAAAAABkAAAAAAAAAH9/fwAKAAAAIgAAABgAAAAAAAAAAAAAAAAAAAAAAAAAAAAAAAAAAAAkAAAAJAAAAAAAAAAHAAAAAAAAAAAAAAAAAAAAAAAAAAAAAAAAAAAAf39/ACUAAABYAAAAAAAAAAAAAAAAAAAAAAAAAAAAAAAAAAAAAAAAAAAAAAAAAAAAAAAAAAAAAAA/AAAAAAAAAKCGAQAAAAAAAAAAAAAAAAAMAAAAAQAAAAAAAAAAAAAAAAAAAB8AAABUAAAAAAAABQAAAAEAAAAAAAAAAAAAAAAAAAAAAAAAAAAAAAAAAAAAAAAAAAAAAAJ/f38AAAAAA8zMzADAwP8Af39/AAAAAAAAAAAAAAAAAAAAAAAAAAAAIQAAABgAAAAUAAAAOAQAALgaAAD4JQAACDQAABAAAAAmAAAACAAAAP////8AAAAAMAAAABQAAAAAAAAAAAD//wAAAQAAAP//AAABAA=="/>
+                <pr:smNativeData xmlns:mc="http://schemas.openxmlformats.org/markup-compatibility/2006" xmlns:p14="http://schemas.microsoft.com/office/powerpoint/2010/main" xmlns:p15="http://schemas.microsoft.com/office/powerpoint/2012/main" xmlns:pr="smNativeData" xmlns="smNativeData" val="SMDATA_16_xzE7ZxMAAAAlAAAAZAAAAA8BAAAAkAAAAEgAAACQAAAASAAAAAAAAAAAAAAAAAAAAAEAAABQAAAAAAAAAAAA4D8AAAAAAADgPwAAAAAAAOA/AAAAAAAA4D8AAAAAAADgPwAAAAAAAOA/AAAAAAAA4D8AAAAAAADgPwAAAAAAAOA/AAAAAAAA4D8CAAAAjAAAAAAAAAAAAAAARHLEDP///wgAAAAAAAAAAAAAAAAAAAAAAAAAAAAAAAAAAAAAZAAAAAEAAABAAAAAAAAAAAAAAAAAAAAAAAAAAAAAAAAAAAAAAAAAAAAAAAAAAAAAAAAAAAAAAAAAAAAAAAAAAAAAAAAAAAAAAAAAAAAAAAAAAAAAAAAAAAAAAAAAAAAAFAAAADwAAAAAAAAAAAAAAAAAAAkUAAAAAQAAABQAAAAUAAAAFAAAAAEAAAAAAAAAZAAAAGQAAAAAAAAAZAAAAGQAAAAVAAAAYAAAAAAAAAAAAAAADwAAACADAAAAAAAAAAAAAAEAAACgMgAAVgcAAKr4//8BAAAAf39/AAEAAABkAAAAAAAAABQAAABAHwAAAAAAACYAAAAAAAAAwOD//wAAAAAmAAAAZAAAABYAAABMAAAAAAAAAAAAAAAEAAAAAAAAAAEAAADn5uYKAAAAACgAAAAoAAAAZAAAAGQAAAAAAAAAzMzMAAAAAABQAAAAUAAAAGQAAABkAAAAAAAAABcAAAAUAAAAAAAAAAAAAAD/fwAA/38AAAAAAAAJAAAABAAAAAAAAAAeAAAAaAAAAAAAAAAAAAAAAAAAAAAAAAAAAAAAECcAABAnAAAAAAAAAAAAAAAAAAAAAAAAAAAAAAAAAAAAAAAAAAAAABQAAAAAAAAAwMD/AAAAAABkAAAAMgAAAAAAAABkAAAAAAAAAH9/fwAKAAAAIgAAABgAAAAAAAAAAAAAAAAAAAAAAAAAAAAAAAAAAAAkAAAAJAAAAAAAAAAHAAAAAAAAAAAAAAAAAAAAAAAAAAAAAAAAAAAAf39/ACUAAABYAAAAAAAAAAAAAAAAAAAAAAAAAAAAAAAAAAAAAAAAAAAAAAAAAAAAAAAAAAAAAAA/AAAAAAAAAKCGAQAAAAAAAAAAAAAAAAAMAAAAAQAAAAAAAAAAAAAAAAAAAB8AAABUAAAAAAAABQAAAAEAAAAAAAAAAAAAAAAAAAAAAAAAAAAAAAAAAAAAAAAAAAAAAAJ/f38AAAAAA8zMzADAwP8Af39/AAAAAAAAAAAAAAAAAAAAAAAAAAAAIQAAABgAAAAUAAAAOAQAALgaAAD4JQAACDQAABAAAAAmAAAACAAAAP////8AAAAAMAAAABQAAAAAAAAAAAD//wAAAQAAAP//AAABAA=="/>
               </a:ext>
             </a:extLst>
           </p:cNvSpPr>
@@ -948,6 +958,7 @@
             <a:pPr>
               <a:defRPr lang="ru-ru"/>
             </a:pPr>
+            <a:endParaRPr/>
           </a:p>
         </p:txBody>
       </p:sp>
@@ -960,7 +971,7 @@
 </file>
 
 <file path=ppt/notesSlides/notesSlide2.xml><?xml version="1.0" encoding="utf-8"?>
-<p:notes xmlns:p="http://schemas.openxmlformats.org/presentationml/2006/main" xmlns:mc="http://schemas.openxmlformats.org/markup-compatibility/2006" xmlns:p14="http://schemas.microsoft.com/office/powerpoint/2010/main" xmlns:p15="http://schemas.microsoft.com/office/powerpoint/2012/main" xmlns:r="http://schemas.openxmlformats.org/officeDocument/2006/relationships" xmlns:a="http://schemas.openxmlformats.org/drawingml/2006/main" showMasterSp="0">
+<p:notes xmlns:a="http://schemas.openxmlformats.org/drawingml/2006/main" xmlns:r="http://schemas.openxmlformats.org/officeDocument/2006/relationships" xmlns:p="http://schemas.openxmlformats.org/presentationml/2006/main" showMasterSp="0">
   <p:cSld>
     <p:bg>
       <p:bgPr>
@@ -988,10 +999,10 @@
         <p:nvSpPr>
           <p:cNvPr id="2" name="РисунокСлайда1"/>
           <p:cNvSpPr>
-            <a:spLocks noGrp="1" noChangeArrowheads="1"/>
-            <a:extLst>
-              <a:ext uri="smNativeData">
-                <pr:smNativeData xmlns:pr="smNativeData" xmlns="smNativeData" val="SMDATA_16_xzE7ZxMAAAAlAAAAZAAAAA8BAAAAkAAAAEgAAACQAAAASAAAAAAAAAABAAAAAAAAAAEAAABQAAAAAAAAAAAA4D8AAAAAAADgPwAAAAAAAOA/AAAAAAAA4D8AAAAAAADgPwAAAAAAAOA/AAAAAAAA4D8AAAAAAADgPwAAAAAAAOA/AAAAAAAA4D8CAAAAjAAAAAEAAAAAAAAARHLEDP///wgAAAAAAAAAAAAAAAAAAAAAAAAAAAAAAAAAAAAAZAAAAAEAAABAAAAAAAAAAAAAAAAAAAAAAAAAAAAAAAAAAAAAAAAAAAAAAAAAAAAAAAAAAAAAAAAAAAAAAAAAAAAAAAAAAAAAAAAAAAAAAAAAAAAAAAAAAAAAAAAAAAAAFAAAADwAAAABAAAAAAAAAAAAAAkUAAAAAQAAABQAAAAUAAAAFAAAAAEAAAAAAAAAZAAAAGQAAAAAAAAAZAAAAGQAAAAVAAAAYAAAAAAAAAAAAAAADwAAACADAAAAAAAAAAAAAAEAAACgMgAAVgcAAKr4//8BAAAAf39/AAEAAABkAAAAAAAAABQAAABAHwAAAAAAACYAAAAAAAAAwOD//wAAAAAmAAAAZAAAABYAAABMAAAAAAAAAAAAAAAEAAAAAAAAAAEAAADn5uYKAAAAACgAAAAoAAAAZAAAAGQAAAAAAAAAzMzMAAAAAABQAAAAUAAAAGQAAABkAAAAAAAAABcAAAAUAAAAAAAAAAAAAAD/fwAA/38AAAAAAAAJAAAABAAAAJCCebseAAAAaAAAAAAAAAAAAAAAAAAAAAAAAAAAAAAAECcAABAnAAAAAAAAAAAAAAAAAAAAAAAAAAAAAAAAAAAAAAAAAAAAABQAAAAAAAAAwMD/AAAAAABkAAAAMgAAAAAAAABkAAAAAAAAAH9/fwAKAAAAIgAAABgAAAAAAAAAAAAAAAAAAAAAAAAAAAAAAAAAAAAkAAAAJAAAAAAAAAAHAAAAAAAAAAAAAAAAAAAAAAAAAAAAAAAAAAAAf39/ACUAAABYAAAAAAAAAAAAAAAAAAAAAAAAAAAAAAAAAAAAAAAAAAAAAAAAAAAAAAAAAAAAAAA/AAAAAAAAAKCGAQAAAAAAAAAAAAAAAAAMAAAAAQAAAAAAAAAAAAAAAAAAAB8AAABUAAAAAAAABQAAAAEAAAAAAAAAAAAAAAAAAAAAAAAAAAAAAAAAAAAAAAAAAAAAAAJ/f38AAAAAA8zMzADAwP8Af39/AAAAAAAAAAAAAAAAAAAAAAAAAAAAIQAAABgAAAAUAAAACAcAADgEAAAoIwAAUBkAABAAAAAmAAAACAAAAP////8AAAAAMAAAABQAAAAAAAAAAAD//wAAAQAAAP//AAABAA=="/>
+            <a:spLocks noGrp="1" noRot="1" noChangeAspect="1" noChangeArrowheads="1"/>
+            <a:extLst>
+              <a:ext uri="smNativeData">
+                <pr:smNativeData xmlns:mc="http://schemas.openxmlformats.org/markup-compatibility/2006" xmlns:p14="http://schemas.microsoft.com/office/powerpoint/2010/main" xmlns:p15="http://schemas.microsoft.com/office/powerpoint/2012/main" xmlns:pr="smNativeData" xmlns="smNativeData" val="SMDATA_16_xzE7ZxMAAAAlAAAAZAAAAA8BAAAAkAAAAEgAAACQAAAASAAAAAAAAAABAAAAAAAAAAEAAABQAAAAAAAAAAAA4D8AAAAAAADgPwAAAAAAAOA/AAAAAAAA4D8AAAAAAADgPwAAAAAAAOA/AAAAAAAA4D8AAAAAAADgPwAAAAAAAOA/AAAAAAAA4D8CAAAAjAAAAAEAAAAAAAAARHLEDP///wgAAAAAAAAAAAAAAAAAAAAAAAAAAAAAAAAAAAAAZAAAAAEAAABAAAAAAAAAAAAAAAAAAAAAAAAAAAAAAAAAAAAAAAAAAAAAAAAAAAAAAAAAAAAAAAAAAAAAAAAAAAAAAAAAAAAAAAAAAAAAAAAAAAAAAAAAAAAAAAAAAAAAFAAAADwAAAABAAAAAAAAAAAAAAkUAAAAAQAAABQAAAAUAAAAFAAAAAEAAAAAAAAAZAAAAGQAAAAAAAAAZAAAAGQAAAAVAAAAYAAAAAAAAAAAAAAADwAAACADAAAAAAAAAAAAAAEAAACgMgAAVgcAAKr4//8BAAAAf39/AAEAAABkAAAAAAAAABQAAABAHwAAAAAAACYAAAAAAAAAwOD//wAAAAAmAAAAZAAAABYAAABMAAAAAAAAAAAAAAAEAAAAAAAAAAEAAADn5uYKAAAAACgAAAAoAAAAZAAAAGQAAAAAAAAAzMzMAAAAAABQAAAAUAAAAGQAAABkAAAAAAAAABcAAAAUAAAAAAAAAAAAAAD/fwAA/38AAAAAAAAJAAAABAAAAAAAAAAeAAAAaAAAAAAAAAAAAAAAAAAAAAAAAAAAAAAAECcAABAnAAAAAAAAAAAAAAAAAAAAAAAAAAAAAAAAAAAAAAAAAAAAABQAAAAAAAAAwMD/AAAAAABkAAAAMgAAAAAAAABkAAAAAAAAAH9/fwAKAAAAIgAAABgAAAAAAAAAAAAAAAAAAAAAAAAAAAAAAAAAAAAkAAAAJAAAAAAAAAAHAAAAAAAAAAAAAAAAAAAAAAAAAAAAAAAAAAAAf39/ACUAAABYAAAAAAAAAAAAAAAAAAAAAAAAAAAAAAAAAAAAAAAAAAAAAAAAAAAAAAAAAAAAAAA/AAAAAAAAAKCGAQAAAAAAAAAAAAAAAAAMAAAAAQAAAAAAAAAAAAAAAAAAAB8AAABUAAAAAAAABQAAAAEAAAAAAAAAAAAAAAAAAAAAAAAAAAAAAAAAAAAAAAAAAAAAAAJ/f38AAAAAA8zMzADAwP8Af39/AAAAAAAAAAAAAAAAAAAAAAAAAAAAIQAAABgAAAAUAAAACAcAADgEAAAoIwAAUBkAABAAAAAmAAAACAAAAP////8AAAAAMAAAABQAAAAAAAAAAAD//wAAAQAAAP//AAABAA=="/>
               </a:ext>
             </a:extLst>
           </p:cNvSpPr>
@@ -1016,7 +1027,7 @@
             <a:spLocks noGrp="1" noChangeArrowheads="1"/>
             <a:extLst>
               <a:ext uri="smNativeData">
-                <pr:smNativeData xmlns:pr="smNativeData" xmlns="smNativeData" val="SMDATA_16_xzE7ZxMAAAAlAAAAZAAAAA8BAAAAkAAAAEgAAACQAAAASAAAAAAAAAAAAAAAAAAAAAEAAABQAAAAAAAAAAAA4D8AAAAAAADgPwAAAAAAAOA/AAAAAAAA4D8AAAAAAADgPwAAAAAAAOA/AAAAAAAA4D8AAAAAAADgPwAAAAAAAOA/AAAAAAAA4D8CAAAAjAAAAAAAAAAAAAAARHLEDP///wgAAAAAAAAAAAAAAAAAAAAAAAAAAAAAAAAAAAAAZAAAAAEAAABAAAAAAAAAAAAAAAAAAAAAAAAAAAAAAAAAAAAAAAAAAAAAAAAAAAAAAAAAAAAAAAAAAAAAAAAAAAAAAAAAAAAAAAAAAAAAAAAAAAAAAAAAAAAAAAAAAAAAFAAAADwAAAAAAAAAAAAAAAAAAAkUAAAAAQAAABQAAAAUAAAAFAAAAAEAAAAAAAAAZAAAAGQAAAAAAAAAZAAAAGQAAAAVAAAAYAAAAAAAAAAAAAAADwAAACADAAAAAAAAAAAAAAEAAACgMgAAVgcAAKr4//8BAAAAf39/AAEAAABkAAAAAAAAABQAAABAHwAAAAAAACYAAAAAAAAAwOD//wAAAAAmAAAAZAAAABYAAABMAAAAAAAAAAAAAAAEAAAAAAAAAAEAAADn5uYKAAAAACgAAAAoAAAAZAAAAGQAAAAAAAAAzMzMAAAAAABQAAAAUAAAAGQAAABkAAAAAAAAABcAAAAUAAAAAAAAAAAAAAD/fwAA/38AAAAAAAAJAAAABAAAAAAAAAAeAAAAaAAAAAAAAAAAAAAAAAAAAAAAAAAAAAAAECcAABAnAAAAAAAAAAAAAAAAAAAAAAAAAAAAAAAAAAAAAAAAAAAAABQAAAAAAAAAwMD/AAAAAABkAAAAMgAAAAAAAABkAAAAAAAAAH9/fwAKAAAAIgAAABgAAAAAAAAAAAAAAAAAAAAAAAAAAAAAAAAAAAAkAAAAJAAAAAAAAAAHAAAAAAAAAAAAAAAAAAAAAAAAAAAAAAAAAAAAf39/ACUAAABYAAAAAAAAAAAAAAAAAAAAAAAAAAAAAAAAAAAAAAAAAAAAAAAAAAAAAAAAAAAAAAA/AAAAAAAAAKCGAQAAAAAAAAAAAAAAAAAMAAAAAQAAAAAAAAAAAAAAAAAAAB8AAABUAAAAAAAABQAAAAEAAAAAAAAAAAAAAAAAAAAAAAAAAAAAAAAAAAAAAAAAAAAAAAJ/f38AAAAAA8zMzADAwP8Af39/AAAAAAAAAAAAAAAAAAAAAAAAAAAAIQAAABgAAAAUAAAAOAQAALgaAAD4JQAACDQAABAAAAAmAAAACAAAAP////8AAAAAMAAAABQAAAAAAAAAAAD//wAAAQAAAP//AAABAA=="/>
+                <pr:smNativeData xmlns:mc="http://schemas.openxmlformats.org/markup-compatibility/2006" xmlns:p14="http://schemas.microsoft.com/office/powerpoint/2010/main" xmlns:p15="http://schemas.microsoft.com/office/powerpoint/2012/main" xmlns:pr="smNativeData" xmlns="smNativeData" val="SMDATA_16_xzE7ZxMAAAAlAAAAZAAAAA8BAAAAkAAAAEgAAACQAAAASAAAAAAAAAAAAAAAAAAAAAEAAABQAAAAAAAAAAAA4D8AAAAAAADgPwAAAAAAAOA/AAAAAAAA4D8AAAAAAADgPwAAAAAAAOA/AAAAAAAA4D8AAAAAAADgPwAAAAAAAOA/AAAAAAAA4D8CAAAAjAAAAAAAAAAAAAAARHLEDP///wgAAAAAAAAAAAAAAAAAAAAAAAAAAAAAAAAAAAAAZAAAAAEAAABAAAAAAAAAAAAAAAAAAAAAAAAAAAAAAAAAAAAAAAAAAAAAAAAAAAAAAAAAAAAAAAAAAAAAAAAAAAAAAAAAAAAAAAAAAAAAAAAAAAAAAAAAAAAAAAAAAAAAFAAAADwAAAAAAAAAAAAAAAAAAAkUAAAAAQAAABQAAAAUAAAAFAAAAAEAAAAAAAAAZAAAAGQAAAAAAAAAZAAAAGQAAAAVAAAAYAAAAAAAAAAAAAAADwAAACADAAAAAAAAAAAAAAEAAACgMgAAVgcAAKr4//8BAAAAf39/AAEAAABkAAAAAAAAABQAAABAHwAAAAAAACYAAAAAAAAAwOD//wAAAAAmAAAAZAAAABYAAABMAAAAAAAAAAAAAAAEAAAAAAAAAAEAAADn5uYKAAAAACgAAAAoAAAAZAAAAGQAAAAAAAAAzMzMAAAAAABQAAAAUAAAAGQAAABkAAAAAAAAABcAAAAUAAAAAAAAAAAAAAD/fwAA/38AAAAAAAAJAAAABAAAAAAAAAAeAAAAaAAAAAAAAAAAAAAAAAAAAAAAAAAAAAAAECcAABAnAAAAAAAAAAAAAAAAAAAAAAAAAAAAAAAAAAAAAAAAAAAAABQAAAAAAAAAwMD/AAAAAABkAAAAMgAAAAAAAABkAAAAAAAAAH9/fwAKAAAAIgAAABgAAAAAAAAAAAAAAAAAAAAAAAAAAAAAAAAAAAAkAAAAJAAAAAAAAAAHAAAAAAAAAAAAAAAAAAAAAAAAAAAAAAAAAAAAf39/ACUAAABYAAAAAAAAAAAAAAAAAAAAAAAAAAAAAAAAAAAAAAAAAAAAAAAAAAAAAAAAAAAAAAA/AAAAAAAAAKCGAQAAAAAAAAAAAAAAAAAMAAAAAQAAAAAAAAAAAAAAAAAAAB8AAABUAAAAAAAABQAAAAEAAAAAAAAAAAAAAAAAAAAAAAAAAAAAAAAAAAAAAAAAAAAAAAJ/f38AAAAAA8zMzADAwP8Af39/AAAAAAAAAAAAAAAAAAAAAAAAAAAAIQAAABgAAAAUAAAAOAQAALgaAAD4JQAACDQAABAAAAAmAAAACAAAAP////8AAAAAMAAAABQAAAAAAAAAAAD//wAAAQAAAP//AAABAA=="/>
               </a:ext>
             </a:extLst>
           </p:cNvSpPr>
@@ -1044,6 +1055,7 @@
             <a:pPr>
               <a:defRPr lang="ru-ru"/>
             </a:pPr>
+            <a:endParaRPr/>
           </a:p>
         </p:txBody>
       </p:sp>
@@ -1056,7 +1068,7 @@
 </file>
 
 <file path=ppt/notesSlides/notesSlide3.xml><?xml version="1.0" encoding="utf-8"?>
-<p:notes xmlns:p="http://schemas.openxmlformats.org/presentationml/2006/main" xmlns:mc="http://schemas.openxmlformats.org/markup-compatibility/2006" xmlns:p14="http://schemas.microsoft.com/office/powerpoint/2010/main" xmlns:p15="http://schemas.microsoft.com/office/powerpoint/2012/main" xmlns:r="http://schemas.openxmlformats.org/officeDocument/2006/relationships" xmlns:a="http://schemas.openxmlformats.org/drawingml/2006/main" showMasterSp="0">
+<p:notes xmlns:a="http://schemas.openxmlformats.org/drawingml/2006/main" xmlns:r="http://schemas.openxmlformats.org/officeDocument/2006/relationships" xmlns:p="http://schemas.openxmlformats.org/presentationml/2006/main" showMasterSp="0">
   <p:cSld>
     <p:bg>
       <p:bgPr>
@@ -1084,10 +1096,10 @@
         <p:nvSpPr>
           <p:cNvPr id="2" name="РисунокСлайда1"/>
           <p:cNvSpPr>
-            <a:spLocks noGrp="1" noChangeArrowheads="1"/>
-            <a:extLst>
-              <a:ext uri="smNativeData">
-                <pr:smNativeData xmlns:pr="smNativeData" xmlns="smNativeData" val="SMDATA_16_xzE7ZxMAAAAlAAAAZAAAAA8BAAAAkAAAAEgAAACQAAAASAAAAAAAAAABAAAAAAAAAAEAAABQAAAAAAAAAAAA4D8AAAAAAADgPwAAAAAAAOA/AAAAAAAA4D8AAAAAAADgPwAAAAAAAOA/AAAAAAAA4D8AAAAAAADgPwAAAAAAAOA/AAAAAAAA4D8CAAAAjAAAAAEAAAAAAAAARHLEDP///wgAAAAAAAAAAAAAAAAAAAAAAAAAAAAAAAAAAAAAZAAAAAEAAABAAAAAAAAAAAAAAAAAAAAAAAAAAAAAAAAAAAAAAAAAAAAAAAAAAAAAAAAAAAAAAAAAAAAAAAAAAAAAAAAAAAAAAAAAAAAAAAAAAAAAAAAAAAAAAAAAAAAAFAAAADwAAAABAAAAAAAAAAAAAAkUAAAAAQAAABQAAAAUAAAAFAAAAAEAAAAAAAAAZAAAAGQAAAAAAAAAZAAAAGQAAAAVAAAAYAAAAAAAAAAAAAAADwAAACADAAAAAAAAAAAAAAEAAACgMgAAVgcAAKr4//8BAAAAf39/AAEAAABkAAAAAAAAABQAAABAHwAAAAAAACYAAAAAAAAAwOD//wAAAAAmAAAAZAAAABYAAABMAAAAAAAAAAAAAAAEAAAAAAAAAAEAAADn5uYKAAAAACgAAAAoAAAAZAAAAGQAAAAAAAAAzMzMAAAAAABQAAAAUAAAAGQAAABkAAAAAAAAABcAAAAUAAAAAAAAAAAAAAD/fwAA/38AAAAAAAAJAAAABAAAAAAAAAAeAAAAaAAAAAAAAAAAAAAAAAAAAAAAAAAAAAAAECcAABAnAAAAAAAAAAAAAAAAAAAAAAAAAAAAAAAAAAAAAAAAAAAAABQAAAAAAAAAwMD/AAAAAABkAAAAMgAAAAAAAABkAAAAAAAAAH9/fwAKAAAAIgAAABgAAAAAAAAAAAAAAAAAAAAAAAAAAAAAAAAAAAAkAAAAJAAAAAAAAAAHAAAAAAAAAAAAAAAAAAAAAAAAAAAAAAAAAAAAf39/ACUAAABYAAAAAAAAAAAAAAAAAAAAAAAAAAAAAAAAAAAAAAAAAAAAAAAAAAAAAAAAAAAAAAA/AAAAAAAAAKCGAQAAAAAAAAAAAAAAAAAMAAAAAQAAAAAAAAAAAAAAAAAAAB8AAABUAAAAAAAABQAAAAEAAAAAAAAAAAAAAAAAAAAAAAAAAAAAAAAAAAAAAAAAAAAAAAJ/f38AAAAAA8zMzADAwP8Af39/AAAAAAAAAAAAAAAAAAAAAAAAAAAAIQAAABgAAAAUAAAACAcAADgEAAAoIwAAUBkAABAAAAAmAAAACAAAAP////8AAAAAMAAAABQAAAAAAAAAAAD//wAAAQAAAP//AAABAA=="/>
+            <a:spLocks noGrp="1" noRot="1" noChangeAspect="1" noChangeArrowheads="1"/>
+            <a:extLst>
+              <a:ext uri="smNativeData">
+                <pr:smNativeData xmlns:mc="http://schemas.openxmlformats.org/markup-compatibility/2006" xmlns:p14="http://schemas.microsoft.com/office/powerpoint/2010/main" xmlns:p15="http://schemas.microsoft.com/office/powerpoint/2012/main" xmlns:pr="smNativeData" xmlns="smNativeData" val="SMDATA_16_xzE7ZxMAAAAlAAAAZAAAAA8BAAAAkAAAAEgAAACQAAAASAAAAAAAAAABAAAAAAAAAAEAAABQAAAAAAAAAAAA4D8AAAAAAADgPwAAAAAAAOA/AAAAAAAA4D8AAAAAAADgPwAAAAAAAOA/AAAAAAAA4D8AAAAAAADgPwAAAAAAAOA/AAAAAAAA4D8CAAAAjAAAAAEAAAAAAAAARHLEDP///wgAAAAAAAAAAAAAAAAAAAAAAAAAAAAAAAAAAAAAZAAAAAEAAABAAAAAAAAAAAAAAAAAAAAAAAAAAAAAAAAAAAAAAAAAAAAAAAAAAAAAAAAAAAAAAAAAAAAAAAAAAAAAAAAAAAAAAAAAAAAAAAAAAAAAAAAAAAAAAAAAAAAAFAAAADwAAAABAAAAAAAAAAAAAAkUAAAAAQAAABQAAAAUAAAAFAAAAAEAAAAAAAAAZAAAAGQAAAAAAAAAZAAAAGQAAAAVAAAAYAAAAAAAAAAAAAAADwAAACADAAAAAAAAAAAAAAEAAACgMgAAVgcAAKr4//8BAAAAf39/AAEAAABkAAAAAAAAABQAAABAHwAAAAAAACYAAAAAAAAAwOD//wAAAAAmAAAAZAAAABYAAABMAAAAAAAAAAAAAAAEAAAAAAAAAAEAAADn5uYKAAAAACgAAAAoAAAAZAAAAGQAAAAAAAAAzMzMAAAAAABQAAAAUAAAAGQAAABkAAAAAAAAABcAAAAUAAAAAAAAAAAAAAD/fwAA/38AAAAAAAAJAAAABAAAAAAAAAAeAAAAaAAAAAAAAAAAAAAAAAAAAAAAAAAAAAAAECcAABAnAAAAAAAAAAAAAAAAAAAAAAAAAAAAAAAAAAAAAAAAAAAAABQAAAAAAAAAwMD/AAAAAABkAAAAMgAAAAAAAABkAAAAAAAAAH9/fwAKAAAAIgAAABgAAAAAAAAAAAAAAAAAAAAAAAAAAAAAAAAAAAAkAAAAJAAAAAAAAAAHAAAAAAAAAAAAAAAAAAAAAAAAAAAAAAAAAAAAf39/ACUAAABYAAAAAAAAAAAAAAAAAAAAAAAAAAAAAAAAAAAAAAAAAAAAAAAAAAAAAAAAAAAAAAA/AAAAAAAAAKCGAQAAAAAAAAAAAAAAAAAMAAAAAQAAAAAAAAAAAAAAAAAAAB8AAABUAAAAAAAABQAAAAEAAAAAAAAAAAAAAAAAAAAAAAAAAAAAAAAAAAAAAAAAAAAAAAJ/f38AAAAAA8zMzADAwP8Af39/AAAAAAAAAAAAAAAAAAAAAAAAAAAAIQAAABgAAAAUAAAACAcAADgEAAAoIwAAUBkAABAAAAAmAAAACAAAAP////8AAAAAMAAAABQAAAAAAAAAAAD//wAAAQAAAP//AAABAA=="/>
               </a:ext>
             </a:extLst>
           </p:cNvSpPr>
@@ -1097,8 +1109,8 @@
         </p:nvSpPr>
         <p:spPr>
           <a:xfrm>
-            <a:off x="1143000" y="685800"/>
-            <a:ext cx="4572000" cy="3429000"/>
+            <a:off x="381000" y="685800"/>
+            <a:ext cx="6096000" cy="3429000"/>
           </a:xfrm>
           <a:prstGeom prst="rect">
             <a:avLst/>
@@ -1112,7 +1124,7 @@
             <a:spLocks noGrp="1" noChangeArrowheads="1"/>
             <a:extLst>
               <a:ext uri="smNativeData">
-                <pr:smNativeData xmlns:pr="smNativeData" xmlns="smNativeData" val="SMDATA_16_xzE7ZxMAAAAlAAAAZAAAAA8BAAAAkAAAAEgAAACQAAAASAAAAAAAAAAAAAAAAAAAAAEAAABQAAAAAAAAAAAA4D8AAAAAAADgPwAAAAAAAOA/AAAAAAAA4D8AAAAAAADgPwAAAAAAAOA/AAAAAAAA4D8AAAAAAADgPwAAAAAAAOA/AAAAAAAA4D8CAAAAjAAAAAAAAAAAAAAARHLEDP///wgAAAAAAAAAAAAAAAAAAAAAAAAAAAAAAAAAAAAAZAAAAAEAAABAAAAAAAAAAAAAAAAAAAAAAAAAAAAAAAAAAAAAAAAAAAAAAAAAAAAAAAAAAAAAAAAAAAAAAAAAAAAAAAAAAAAAAAAAAAAAAAAAAAAAAAAAAAAAAAAAAAAAFAAAADwAAAAAAAAAAAAAAAAAAAkUAAAAAQAAABQAAAAUAAAAFAAAAAEAAAAAAAAAZAAAAGQAAAAAAAAAZAAAAGQAAAAVAAAAYAAAAAAAAAAAAAAADwAAACADAAAAAAAAAAAAAAEAAACgMgAAVgcAAKr4//8BAAAAf39/AAEAAABkAAAAAAAAABQAAABAHwAAAAAAACYAAAAAAAAAwOD//wAAAAAmAAAAZAAAABYAAABMAAAAAAAAAAAAAAAEAAAAAAAAAAEAAADn5uYKAAAAACgAAAAoAAAAZAAAAGQAAAAAAAAAzMzMAAAAAABQAAAAUAAAAGQAAABkAAAAAAAAABcAAAAUAAAAAAAAAAAAAAD/fwAA/38AAAAAAAAJAAAABAAAALCOc7seAAAAaAAAAAAAAAAAAAAAAAAAAAAAAAAAAAAAECcAABAnAAAAAAAAAAAAAAAAAAAAAAAAAAAAAAAAAAAAAAAAAAAAABQAAAAAAAAAwMD/AAAAAABkAAAAMgAAAAAAAABkAAAAAAAAAH9/fwAKAAAAIgAAABgAAAAAAAAAAAAAAAAAAAAAAAAAAAAAAAAAAAAkAAAAJAAAAAAAAAAHAAAAAAAAAAAAAAAAAAAAAAAAAAAAAAAAAAAAf39/ACUAAABYAAAAAAAAAAAAAAAAAAAAAAAAAAAAAAAAAAAAAAAAAAAAAAAAAAAAAAAAAAAAAAA/AAAAAAAAAKCGAQAAAAAAAAAAAAAAAAAMAAAAAQAAAAAAAAAAAAAAAAAAAB8AAABUAAAAAAAABQAAAAEAAAAAAAAAAAAAAAAAAAAAAAAAAAAAAAAAAAAAAAAAAAAAAAJ/f38AAAAAA8zMzADAwP8Af39/AAAAAAAAAAAAAAAAAAAAAAAAAAAAIQAAABgAAAAUAAAAOAQAALgaAAD4JQAACDQAABAAAAAmAAAACAAAAP////8AAAAAMAAAABQAAAAAAAAAAAD//wAAAQAAAP//AAABAA=="/>
+                <pr:smNativeData xmlns:mc="http://schemas.openxmlformats.org/markup-compatibility/2006" xmlns:p14="http://schemas.microsoft.com/office/powerpoint/2010/main" xmlns:p15="http://schemas.microsoft.com/office/powerpoint/2012/main" xmlns:pr="smNativeData" xmlns="smNativeData" val="SMDATA_16_xzE7ZxMAAAAlAAAAZAAAAA8BAAAAkAAAAEgAAACQAAAASAAAAAAAAAAAAAAAAAAAAAEAAABQAAAAAAAAAAAA4D8AAAAAAADgPwAAAAAAAOA/AAAAAAAA4D8AAAAAAADgPwAAAAAAAOA/AAAAAAAA4D8AAAAAAADgPwAAAAAAAOA/AAAAAAAA4D8CAAAAjAAAAAAAAAAAAAAARHLEDP///wgAAAAAAAAAAAAAAAAAAAAAAAAAAAAAAAAAAAAAZAAAAAEAAABAAAAAAAAAAAAAAAAAAAAAAAAAAAAAAAAAAAAAAAAAAAAAAAAAAAAAAAAAAAAAAAAAAAAAAAAAAAAAAAAAAAAAAAAAAAAAAAAAAAAAAAAAAAAAAAAAAAAAFAAAADwAAAAAAAAAAAAAAAAAAAkUAAAAAQAAABQAAAAUAAAAFAAAAAEAAAAAAAAAZAAAAGQAAAAAAAAAZAAAAGQAAAAVAAAAYAAAAAAAAAAAAAAADwAAACADAAAAAAAAAAAAAAEAAACgMgAAVgcAAKr4//8BAAAAf39/AAEAAABkAAAAAAAAABQAAABAHwAAAAAAACYAAAAAAAAAwOD//wAAAAAmAAAAZAAAABYAAABMAAAAAAAAAAAAAAAEAAAAAAAAAAEAAADn5uYKAAAAACgAAAAoAAAAZAAAAGQAAAAAAAAAzMzMAAAAAABQAAAAUAAAAGQAAABkAAAAAAAAABcAAAAUAAAAAAAAAAAAAAD/fwAA/38AAAAAAAAJAAAABAAAALCOc7seAAAAaAAAAAAAAAAAAAAAAAAAAAAAAAAAAAAAECcAABAnAAAAAAAAAAAAAAAAAAAAAAAAAAAAAAAAAAAAAAAAAAAAABQAAAAAAAAAwMD/AAAAAABkAAAAMgAAAAAAAABkAAAAAAAAAH9/fwAKAAAAIgAAABgAAAAAAAAAAAAAAAAAAAAAAAAAAAAAAAAAAAAkAAAAJAAAAAAAAAAHAAAAAAAAAAAAAAAAAAAAAAAAAAAAAAAAAAAAf39/ACUAAABYAAAAAAAAAAAAAAAAAAAAAAAAAAAAAAAAAAAAAAAAAAAAAAAAAAAAAAAAAAAAAAA/AAAAAAAAAKCGAQAAAAAAAAAAAAAAAAAMAAAAAQAAAAAAAAAAAAAAAAAAAB8AAABUAAAAAAAABQAAAAEAAAAAAAAAAAAAAAAAAAAAAAAAAAAAAAAAAAAAAAAAAAAAAAJ/f38AAAAAA8zMzADAwP8Af39/AAAAAAAAAAAAAAAAAAAAAAAAAAAAIQAAABgAAAAUAAAAOAQAALgaAAD4JQAACDQAABAAAAAmAAAACAAAAP////8AAAAAMAAAABQAAAAAAAAAAAD//wAAAQAAAP//AAABAA=="/>
               </a:ext>
             </a:extLst>
           </p:cNvSpPr>
@@ -1140,6 +1152,7 @@
             <a:pPr>
               <a:defRPr lang="ru-ru"/>
             </a:pPr>
+            <a:endParaRPr/>
           </a:p>
         </p:txBody>
       </p:sp>
@@ -1152,7 +1165,7 @@
 </file>
 
 <file path=ppt/notesSlides/notesSlide4.xml><?xml version="1.0" encoding="utf-8"?>
-<p:notes xmlns:p="http://schemas.openxmlformats.org/presentationml/2006/main" xmlns:mc="http://schemas.openxmlformats.org/markup-compatibility/2006" xmlns:p14="http://schemas.microsoft.com/office/powerpoint/2010/main" xmlns:p15="http://schemas.microsoft.com/office/powerpoint/2012/main" xmlns:r="http://schemas.openxmlformats.org/officeDocument/2006/relationships" xmlns:a="http://schemas.openxmlformats.org/drawingml/2006/main" showMasterSp="0">
+<p:notes xmlns:a="http://schemas.openxmlformats.org/drawingml/2006/main" xmlns:r="http://schemas.openxmlformats.org/officeDocument/2006/relationships" xmlns:p="http://schemas.openxmlformats.org/presentationml/2006/main" showMasterSp="0">
   <p:cSld>
     <p:bg>
       <p:bgPr>
@@ -1180,10 +1193,10 @@
         <p:nvSpPr>
           <p:cNvPr id="2" name="РисунокСлайда1"/>
           <p:cNvSpPr>
-            <a:spLocks noGrp="1" noChangeArrowheads="1"/>
-            <a:extLst>
-              <a:ext uri="smNativeData">
-                <pr:smNativeData xmlns:pr="smNativeData" xmlns="smNativeData" val="SMDATA_16_xzE7ZxMAAAAlAAAAZAAAAA8BAAAAkAAAAEgAAACQAAAASAAAAAAAAAABAAAAAAAAAAEAAABQAAAAAAAAAAAA4D8AAAAAAADgPwAAAAAAAOA/AAAAAAAA4D8AAAAAAADgPwAAAAAAAOA/AAAAAAAA4D8AAAAAAADgPwAAAAAAAOA/AAAAAAAA4D8CAAAAjAAAAAEAAAAAAAAARHLEDP///wgAAAAAAAAAAAAAAAAAAAAAAAAAAAAAAAAAAAAAZAAAAAEAAABAAAAAAAAAAAAAAAAAAAAAAAAAAAAAAAAAAAAAAAAAAAAAAAAAAAAAAAAAAAAAAAAAAAAAAAAAAAAAAAAAAAAAAAAAAAAAAAAAAAAAAAAAAAAAAAAAAAAAFAAAADwAAAABAAAAAAAAAAAAAAkUAAAAAQAAABQAAAAUAAAAFAAAAAEAAAAAAAAAZAAAAGQAAAAAAAAAZAAAAGQAAAAVAAAAYAAAAAAAAAAAAAAADwAAACADAAAAAAAAAAAAAAEAAACgMgAAVgcAAKr4//8BAAAAf39/AAEAAABkAAAAAAAAABQAAABAHwAAAAAAACYAAAAAAAAAwOD//wAAAAAmAAAAZAAAABYAAABMAAAAAAAAAAAAAAAEAAAAAAAAAAEAAADn5uYKAAAAACgAAAAoAAAAZAAAAGQAAAAAAAAAzMzMAAAAAABQAAAAUAAAAGQAAABkAAAAAAAAABcAAAAUAAAAAAAAAAAAAAD/fwAA/38AAAAAAAAJAAAABAAAAAAAAAAeAAAAaAAAAAAAAAAAAAAAAAAAAAAAAAAAAAAAECcAABAnAAAAAAAAAAAAAAAAAAAAAAAAAAAAAAAAAAAAAAAAAAAAABQAAAAAAAAAwMD/AAAAAABkAAAAMgAAAAAAAABkAAAAAAAAAH9/fwAKAAAAIgAAABgAAAAAAAAAAAAAAAAAAAAAAAAAAAAAAAAAAAAkAAAAJAAAAAAAAAAHAAAAAAAAAAAAAAAAAAAAAAAAAAAAAAAAAAAAf39/ACUAAABYAAAAAAAAAAAAAAAAAAAAAAAAAAAAAAAAAAAAAAAAAAAAAAAAAAAAAAAAAAAAAAA/AAAAAAAAAKCGAQAAAAAAAAAAAAAAAAAMAAAAAQAAAAAAAAAAAAAAAAAAAB8AAABUAAAAAAAABQAAAAEAAAAAAAAAAAAAAAAAAAAAAAAAAAAAAAAAAAAAAAAAAAAAAAJ/f38AAAAAA8zMzADAwP8Af39/AAAAAAAAAAAAAAAAAAAAAAAAAAAAIQAAABgAAAAUAAAACAcAADgEAAAoIwAAUBkAABAAAAAmAAAACAAAAP////8AAAAAMAAAABQAAAAAAAAAAAD//wAAAQAAAP//AAABAA=="/>
+            <a:spLocks noGrp="1" noRot="1" noChangeAspect="1" noChangeArrowheads="1"/>
+            <a:extLst>
+              <a:ext uri="smNativeData">
+                <pr:smNativeData xmlns:mc="http://schemas.openxmlformats.org/markup-compatibility/2006" xmlns:p14="http://schemas.microsoft.com/office/powerpoint/2010/main" xmlns:p15="http://schemas.microsoft.com/office/powerpoint/2012/main" xmlns:pr="smNativeData" xmlns="smNativeData" val="SMDATA_16_xzE7ZxMAAAAlAAAAZAAAAA8BAAAAkAAAAEgAAACQAAAASAAAAAAAAAABAAAAAAAAAAEAAABQAAAAAAAAAAAA4D8AAAAAAADgPwAAAAAAAOA/AAAAAAAA4D8AAAAAAADgPwAAAAAAAOA/AAAAAAAA4D8AAAAAAADgPwAAAAAAAOA/AAAAAAAA4D8CAAAAjAAAAAEAAAAAAAAARHLEDP///wgAAAAAAAAAAAAAAAAAAAAAAAAAAAAAAAAAAAAAZAAAAAEAAABAAAAAAAAAAAAAAAAAAAAAAAAAAAAAAAAAAAAAAAAAAAAAAAAAAAAAAAAAAAAAAAAAAAAAAAAAAAAAAAAAAAAAAAAAAAAAAAAAAAAAAAAAAAAAAAAAAAAAFAAAADwAAAABAAAAAAAAAAAAAAkUAAAAAQAAABQAAAAUAAAAFAAAAAEAAAAAAAAAZAAAAGQAAAAAAAAAZAAAAGQAAAAVAAAAYAAAAAAAAAAAAAAADwAAACADAAAAAAAAAAAAAAEAAACgMgAAVgcAAKr4//8BAAAAf39/AAEAAABkAAAAAAAAABQAAABAHwAAAAAAACYAAAAAAAAAwOD//wAAAAAmAAAAZAAAABYAAABMAAAAAAAAAAAAAAAEAAAAAAAAAAEAAADn5uYKAAAAACgAAAAoAAAAZAAAAGQAAAAAAAAAzMzMAAAAAABQAAAAUAAAAGQAAABkAAAAAAAAABcAAAAUAAAAAAAAAAAAAAD/fwAA/38AAAAAAAAJAAAABAAAAAAAAAAeAAAAaAAAAAAAAAAAAAAAAAAAAAAAAAAAAAAAECcAABAnAAAAAAAAAAAAAAAAAAAAAAAAAAAAAAAAAAAAAAAAAAAAABQAAAAAAAAAwMD/AAAAAABkAAAAMgAAAAAAAABkAAAAAAAAAH9/fwAKAAAAIgAAABgAAAAAAAAAAAAAAAAAAAAAAAAAAAAAAAAAAAAkAAAAJAAAAAAAAAAHAAAAAAAAAAAAAAAAAAAAAAAAAAAAAAAAAAAAf39/ACUAAABYAAAAAAAAAAAAAAAAAAAAAAAAAAAAAAAAAAAAAAAAAAAAAAAAAAAAAAAAAAAAAAA/AAAAAAAAAKCGAQAAAAAAAAAAAAAAAAAMAAAAAQAAAAAAAAAAAAAAAAAAAB8AAABUAAAAAAAABQAAAAEAAAAAAAAAAAAAAAAAAAAAAAAAAAAAAAAAAAAAAAAAAAAAAAJ/f38AAAAAA8zMzADAwP8Af39/AAAAAAAAAAAAAAAAAAAAAAAAAAAAIQAAABgAAAAUAAAACAcAADgEAAAoIwAAUBkAABAAAAAmAAAACAAAAP////8AAAAAMAAAABQAAAAAAAAAAAD//wAAAQAAAP//AAABAA=="/>
               </a:ext>
             </a:extLst>
           </p:cNvSpPr>
@@ -1193,8 +1206,8 @@
         </p:nvSpPr>
         <p:spPr>
           <a:xfrm>
-            <a:off x="1143000" y="685800"/>
-            <a:ext cx="4572000" cy="3429000"/>
+            <a:off x="381000" y="685800"/>
+            <a:ext cx="6096000" cy="3429000"/>
           </a:xfrm>
           <a:prstGeom prst="rect">
             <a:avLst/>
@@ -1208,7 +1221,7 @@
             <a:spLocks noGrp="1" noChangeArrowheads="1"/>
             <a:extLst>
               <a:ext uri="smNativeData">
-                <pr:smNativeData xmlns:pr="smNativeData" xmlns="smNativeData" val="SMDATA_16_xzE7ZxMAAAAlAAAAZAAAAA8BAAAAkAAAAEgAAACQAAAASAAAAAAAAAAAAAAAAAAAAAEAAABQAAAAAAAAAAAA4D8AAAAAAADgPwAAAAAAAOA/AAAAAAAA4D8AAAAAAADgPwAAAAAAAOA/AAAAAAAA4D8AAAAAAADgPwAAAAAAAOA/AAAAAAAA4D8CAAAAjAAAAAAAAAAAAAAARHLEDP///wgAAAAAAAAAAAAAAAAAAAAAAAAAAAAAAAAAAAAAZAAAAAEAAABAAAAAAAAAAAAAAAAAAAAAAAAAAAAAAAAAAAAAAAAAAAAAAAAAAAAAAAAAAAAAAAAAAAAAAAAAAAAAAAAAAAAAAAAAAAAAAAAAAAAAAAAAAAAAAAAAAAAAFAAAADwAAAAAAAAAAAAAAAAAAAkUAAAAAQAAABQAAAAUAAAAFAAAAAEAAAAAAAAAZAAAAGQAAAAAAAAAZAAAAGQAAAAVAAAAYAAAAAAAAAAAAAAADwAAACADAAAAAAAAAAAAAAEAAACgMgAAVgcAAKr4//8BAAAAf39/AAEAAABkAAAAAAAAABQAAABAHwAAAAAAACYAAAAAAAAAwOD//wAAAAAmAAAAZAAAABYAAABMAAAAAAAAAAAAAAAEAAAAAAAAAAEAAADn5uYKAAAAACgAAAAoAAAAZAAAAGQAAAAAAAAAzMzMAAAAAABQAAAAUAAAAGQAAABkAAAAAAAAABcAAAAUAAAAAAAAAAAAAAD/fwAA/38AAAAAAAAJAAAABAAAAAAAAAAeAAAAaAAAAAAAAAAAAAAAAAAAAAAAAAAAAAAAECcAABAnAAAAAAAAAAAAAAAAAAAAAAAAAAAAAAAAAAAAAAAAAAAAABQAAAAAAAAAwMD/AAAAAABkAAAAMgAAAAAAAABkAAAAAAAAAH9/fwAKAAAAIgAAABgAAAAAAAAAAAAAAAAAAAAAAAAAAAAAAAAAAAAkAAAAJAAAAAAAAAAHAAAAAAAAAAAAAAAAAAAAAAAAAAAAAAAAAAAAf39/ACUAAABYAAAAAAAAAAAAAAAAAAAAAAAAAAAAAAAAAAAAAAAAAAAAAAAAAAAAAAAAAAAAAAA/AAAAAAAAAKCGAQAAAAAAAAAAAAAAAAAMAAAAAQAAAAAAAAAAAAAAAAAAAB8AAABUAAAAAAAABQAAAAEAAAAAAAAAAAAAAAAAAAAAAAAAAAAAAAAAAAAAAAAAAAAAAAJ/f38AAAAAA8zMzADAwP8Af39/AAAAAAAAAAAAAAAAAAAAAAAAAAAAIQAAABgAAAAUAAAAOAQAALgaAAD4JQAACDQAABAAAAAmAAAACAAAAP////8AAAAAMAAAABQAAAAAAAAAAAD//wAAAQAAAP//AAABAA=="/>
+                <pr:smNativeData xmlns:mc="http://schemas.openxmlformats.org/markup-compatibility/2006" xmlns:p14="http://schemas.microsoft.com/office/powerpoint/2010/main" xmlns:p15="http://schemas.microsoft.com/office/powerpoint/2012/main" xmlns:pr="smNativeData" xmlns="smNativeData" val="SMDATA_16_xzE7ZxMAAAAlAAAAZAAAAA8BAAAAkAAAAEgAAACQAAAASAAAAAAAAAAAAAAAAAAAAAEAAABQAAAAAAAAAAAA4D8AAAAAAADgPwAAAAAAAOA/AAAAAAAA4D8AAAAAAADgPwAAAAAAAOA/AAAAAAAA4D8AAAAAAADgPwAAAAAAAOA/AAAAAAAA4D8CAAAAjAAAAAAAAAAAAAAARHLEDP///wgAAAAAAAAAAAAAAAAAAAAAAAAAAAAAAAAAAAAAZAAAAAEAAABAAAAAAAAAAAAAAAAAAAAAAAAAAAAAAAAAAAAAAAAAAAAAAAAAAAAAAAAAAAAAAAAAAAAAAAAAAAAAAAAAAAAAAAAAAAAAAAAAAAAAAAAAAAAAAAAAAAAAFAAAADwAAAAAAAAAAAAAAAAAAAkUAAAAAQAAABQAAAAUAAAAFAAAAAEAAAAAAAAAZAAAAGQAAAAAAAAAZAAAAGQAAAAVAAAAYAAAAAAAAAAAAAAADwAAACADAAAAAAAAAAAAAAEAAACgMgAAVgcAAKr4//8BAAAAf39/AAEAAABkAAAAAAAAABQAAABAHwAAAAAAACYAAAAAAAAAwOD//wAAAAAmAAAAZAAAABYAAABMAAAAAAAAAAAAAAAEAAAAAAAAAAEAAADn5uYKAAAAACgAAAAoAAAAZAAAAGQAAAAAAAAAzMzMAAAAAABQAAAAUAAAAGQAAABkAAAAAAAAABcAAAAUAAAAAAAAAAAAAAD/fwAA/38AAAAAAAAJAAAABAAAAAAAAAAeAAAAaAAAAAAAAAAAAAAAAAAAAAAAAAAAAAAAECcAABAnAAAAAAAAAAAAAAAAAAAAAAAAAAAAAAAAAAAAAAAAAAAAABQAAAAAAAAAwMD/AAAAAABkAAAAMgAAAAAAAABkAAAAAAAAAH9/fwAKAAAAIgAAABgAAAAAAAAAAAAAAAAAAAAAAAAAAAAAAAAAAAAkAAAAJAAAAAAAAAAHAAAAAAAAAAAAAAAAAAAAAAAAAAAAAAAAAAAAf39/ACUAAABYAAAAAAAAAAAAAAAAAAAAAAAAAAAAAAAAAAAAAAAAAAAAAAAAAAAAAAAAAAAAAAA/AAAAAAAAAKCGAQAAAAAAAAAAAAAAAAAMAAAAAQAAAAAAAAAAAAAAAAAAAB8AAABUAAAAAAAABQAAAAEAAAAAAAAAAAAAAAAAAAAAAAAAAAAAAAAAAAAAAAAAAAAAAAJ/f38AAAAAA8zMzADAwP8Af39/AAAAAAAAAAAAAAAAAAAAAAAAAAAAIQAAABgAAAAUAAAAOAQAALgaAAD4JQAACDQAABAAAAAmAAAACAAAAP////8AAAAAMAAAABQAAAAAAAAAAAD//wAAAQAAAP//AAABAA=="/>
               </a:ext>
             </a:extLst>
           </p:cNvSpPr>
@@ -1236,6 +1249,7 @@
             <a:pPr>
               <a:defRPr lang="ru-ru"/>
             </a:pPr>
+            <a:endParaRPr/>
           </a:p>
         </p:txBody>
       </p:sp>
@@ -1248,7 +1262,7 @@
 </file>
 
 <file path=ppt/notesSlides/notesSlide5.xml><?xml version="1.0" encoding="utf-8"?>
-<p:notes xmlns:p="http://schemas.openxmlformats.org/presentationml/2006/main" xmlns:mc="http://schemas.openxmlformats.org/markup-compatibility/2006" xmlns:p14="http://schemas.microsoft.com/office/powerpoint/2010/main" xmlns:p15="http://schemas.microsoft.com/office/powerpoint/2012/main" xmlns:r="http://schemas.openxmlformats.org/officeDocument/2006/relationships" xmlns:a="http://schemas.openxmlformats.org/drawingml/2006/main" showMasterSp="0">
+<p:notes xmlns:a="http://schemas.openxmlformats.org/drawingml/2006/main" xmlns:r="http://schemas.openxmlformats.org/officeDocument/2006/relationships" xmlns:p="http://schemas.openxmlformats.org/presentationml/2006/main" showMasterSp="0">
   <p:cSld>
     <p:bg>
       <p:bgPr>
@@ -1276,10 +1290,10 @@
         <p:nvSpPr>
           <p:cNvPr id="2" name="РисунокСлайда1"/>
           <p:cNvSpPr>
-            <a:spLocks noGrp="1" noChangeArrowheads="1"/>
-            <a:extLst>
-              <a:ext uri="smNativeData">
-                <pr:smNativeData xmlns:pr="smNativeData" xmlns="smNativeData" val="SMDATA_16_xzE7ZxMAAAAlAAAAZAAAAA8BAAAAkAAAAEgAAACQAAAASAAAAAAAAAABAAAAAAAAAAEAAABQAAAAAAAAAAAA4D8AAAAAAADgPwAAAAAAAOA/AAAAAAAA4D8AAAAAAADgPwAAAAAAAOA/AAAAAAAA4D8AAAAAAADgPwAAAAAAAOA/AAAAAAAA4D8CAAAAjAAAAAEAAAAAAAAARHLEDP///wgAAAAAAAAAAAAAAAAAAAAAAAAAAAAAAAAAAAAAZAAAAAEAAABAAAAAAAAAAAAAAAAAAAAAAAAAAAAAAAAAAAAAAAAAAAAAAAAAAAAAAAAAAAAAAAAAAAAAAAAAAAAAAAAAAAAAAAAAAAAAAAAAAAAAAAAAAAAAAAAAAAAAFAAAADwAAAABAAAAAAAAAAAAAAkUAAAAAQAAABQAAAAUAAAAFAAAAAEAAAAAAAAAZAAAAGQAAAAAAAAAZAAAAGQAAAAVAAAAYAAAAAAAAAAAAAAADwAAACADAAAAAAAAAAAAAAEAAACgMgAAVgcAAKr4//8BAAAAf39/AAEAAABkAAAAAAAAABQAAABAHwAAAAAAACYAAAAAAAAAwOD//wAAAAAmAAAAZAAAABYAAABMAAAAAAAAAAAAAAAEAAAAAAAAAAEAAADn5uYKAAAAACgAAAAoAAAAZAAAAGQAAAAAAAAAzMzMAAAAAABQAAAAUAAAAGQAAABkAAAAAAAAABcAAAAUAAAAAAAAAAAAAAD/fwAA/38AAAAAAAAJAAAABAAAAAAAAAAeAAAAaAAAAAAAAAAAAAAAAAAAAAAAAAAAAAAAECcAABAnAAAAAAAAAAAAAAAAAAAAAAAAAAAAAAAAAAAAAAAAAAAAABQAAAAAAAAAwMD/AAAAAABkAAAAMgAAAAAAAABkAAAAAAAAAH9/fwAKAAAAIgAAABgAAAAAAAAAAAAAAAAAAAAAAAAAAAAAAAAAAAAkAAAAJAAAAAAAAAAHAAAAAAAAAAAAAAAAAAAAAAAAAAAAAAAAAAAAf39/ACUAAABYAAAAAAAAAAAAAAAAAAAAAAAAAAAAAAAAAAAAAAAAAAAAAAAAAAAAAAAAAAAAAAA/AAAAAAAAAKCGAQAAAAAAAAAAAAAAAAAMAAAAAQAAAAAAAAAAAAAAAAAAAB8AAABUAAAAAAAABQAAAAEAAAAAAAAAAAAAAAAAAAAAAAAAAAAAAAAAAAAAAAAAAAAAAAJ/f38AAAAAA8zMzADAwP8Af39/AAAAAAAAAAAAAAAAAAAAAAAAAAAAIQAAABgAAAAUAAAACAcAADgEAAAoIwAAUBkAABAAAAAmAAAACAAAAP////8AAAAAMAAAABQAAAAAAAAAAAD//wAAAQAAAP//AAABAA=="/>
+            <a:spLocks noGrp="1" noRot="1" noChangeAspect="1" noChangeArrowheads="1"/>
+            <a:extLst>
+              <a:ext uri="smNativeData">
+                <pr:smNativeData xmlns:mc="http://schemas.openxmlformats.org/markup-compatibility/2006" xmlns:p14="http://schemas.microsoft.com/office/powerpoint/2010/main" xmlns:p15="http://schemas.microsoft.com/office/powerpoint/2012/main" xmlns:pr="smNativeData" xmlns="smNativeData" val="SMDATA_16_xzE7ZxMAAAAlAAAAZAAAAA8BAAAAkAAAAEgAAACQAAAASAAAAAAAAAABAAAAAAAAAAEAAABQAAAAAAAAAAAA4D8AAAAAAADgPwAAAAAAAOA/AAAAAAAA4D8AAAAAAADgPwAAAAAAAOA/AAAAAAAA4D8AAAAAAADgPwAAAAAAAOA/AAAAAAAA4D8CAAAAjAAAAAEAAAAAAAAARHLEDP///wgAAAAAAAAAAAAAAAAAAAAAAAAAAAAAAAAAAAAAZAAAAAEAAABAAAAAAAAAAAAAAAAAAAAAAAAAAAAAAAAAAAAAAAAAAAAAAAAAAAAAAAAAAAAAAAAAAAAAAAAAAAAAAAAAAAAAAAAAAAAAAAAAAAAAAAAAAAAAAAAAAAAAFAAAADwAAAABAAAAAAAAAAAAAAkUAAAAAQAAABQAAAAUAAAAFAAAAAEAAAAAAAAAZAAAAGQAAAAAAAAAZAAAAGQAAAAVAAAAYAAAAAAAAAAAAAAADwAAACADAAAAAAAAAAAAAAEAAACgMgAAVgcAAKr4//8BAAAAf39/AAEAAABkAAAAAAAAABQAAABAHwAAAAAAACYAAAAAAAAAwOD//wAAAAAmAAAAZAAAABYAAABMAAAAAAAAAAAAAAAEAAAAAAAAAAEAAADn5uYKAAAAACgAAAAoAAAAZAAAAGQAAAAAAAAAzMzMAAAAAABQAAAAUAAAAGQAAABkAAAAAAAAABcAAAAUAAAAAAAAAAAAAAD/fwAA/38AAAAAAAAJAAAABAAAAIgAAAAeAAAAaAAAAAAAAAAAAAAAAAAAAAAAAAAAAAAAECcAABAnAAAAAAAAAAAAAAAAAAAAAAAAAAAAAAAAAAAAAAAAAAAAABQAAAAAAAAAwMD/AAAAAABkAAAAMgAAAAAAAABkAAAAAAAAAH9/fwAKAAAAIgAAABgAAAAAAAAAAAAAAAAAAAAAAAAAAAAAAAAAAAAkAAAAJAAAAAAAAAAHAAAAAAAAAAAAAAAAAAAAAAAAAAAAAAAAAAAAf39/ACUAAABYAAAAAAAAAAAAAAAAAAAAAAAAAAAAAAAAAAAAAAAAAAAAAAAAAAAAAAAAAAAAAAA/AAAAAAAAAKCGAQAAAAAAAAAAAAAAAAAMAAAAAQAAAAAAAAAAAAAAAAAAAB8AAABUAAAAAAAABQAAAAEAAAAAAAAAAAAAAAAAAAAAAAAAAAAAAAAAAAAAAAAAAAAAAAJ/f38AAAAAA8zMzADAwP8Af39/AAAAAAAAAAAAAAAAAAAAAAAAAAAAIQAAABgAAAAUAAAACAcAADgEAAAoIwAAUBkAABAAAAAmAAAACAAAAP////8AAAAAMAAAABQAAAAAAAAAAAD//wAAAQAAAP//AAABAA=="/>
               </a:ext>
             </a:extLst>
           </p:cNvSpPr>
@@ -1304,7 +1318,7 @@
             <a:spLocks noGrp="1" noChangeArrowheads="1"/>
             <a:extLst>
               <a:ext uri="smNativeData">
-                <pr:smNativeData xmlns:pr="smNativeData" xmlns="smNativeData" val="SMDATA_16_xzE7ZxMAAAAlAAAAZAAAAA8BAAAAkAAAAEgAAACQAAAASAAAAAAAAAAAAAAAAAAAAAEAAABQAAAAAAAAAAAA4D8AAAAAAADgPwAAAAAAAOA/AAAAAAAA4D8AAAAAAADgPwAAAAAAAOA/AAAAAAAA4D8AAAAAAADgPwAAAAAAAOA/AAAAAAAA4D8CAAAAjAAAAAAAAAAAAAAARHLEDP///wgAAAAAAAAAAAAAAAAAAAAAAAAAAAAAAAAAAAAAZAAAAAEAAABAAAAAAAAAAAAAAAAAAAAAAAAAAAAAAAAAAAAAAAAAAAAAAAAAAAAAAAAAAAAAAAAAAAAAAAAAAAAAAAAAAAAAAAAAAAAAAAAAAAAAAAAAAAAAAAAAAAAAFAAAADwAAAAAAAAAAAAAAAAAAAkUAAAAAQAAABQAAAAUAAAAFAAAAAEAAAAAAAAAZAAAAGQAAAAAAAAAZAAAAGQAAAAVAAAAYAAAAAAAAAAAAAAADwAAACADAAAAAAAAAAAAAAEAAACgMgAAVgcAAKr4//8BAAAAf39/AAEAAABkAAAAAAAAABQAAABAHwAAAAAAACYAAAAAAAAAwOD//wAAAAAmAAAAZAAAABYAAABMAAAAAAAAAAAAAAAEAAAAAAAAAAEAAADn5uYKAAAAACgAAAAoAAAAZAAAAGQAAAAAAAAAzMzMAAAAAABQAAAAUAAAAGQAAABkAAAAAAAAABcAAAAUAAAAAAAAAAAAAAD/fwAA/38AAAAAAAAJAAAABAAAAAAAAAAeAAAAaAAAAAAAAAAAAAAAAAAAAAAAAAAAAAAAECcAABAnAAAAAAAAAAAAAAAAAAAAAAAAAAAAAAAAAAAAAAAAAAAAABQAAAAAAAAAwMD/AAAAAABkAAAAMgAAAAAAAABkAAAAAAAAAH9/fwAKAAAAIgAAABgAAAAAAAAAAAAAAAAAAAAAAAAAAAAAAAAAAAAkAAAAJAAAAAAAAAAHAAAAAAAAAAAAAAAAAAAAAAAAAAAAAAAAAAAAf39/ACUAAABYAAAAAAAAAAAAAAAAAAAAAAAAAAAAAAAAAAAAAAAAAAAAAAAAAAAAAAAAAAAAAAA/AAAAAAAAAKCGAQAAAAAAAAAAAAAAAAAMAAAAAQAAAAAAAAAAAAAAAAAAAB8AAABUAAAAAAAABQAAAAEAAAAAAAAAAAAAAAAAAAAAAAAAAAAAAAAAAAAAAAAAAAAAAAJ/f38AAAAAA8zMzADAwP8Af39/AAAAAAAAAAAAAAAAAAAAAAAAAAAAIQAAABgAAAAUAAAAOAQAALgaAAD4JQAACDQAABAAAAAmAAAACAAAAP////8AAAAAMAAAABQAAAAAAAAAAAD//wAAAQAAAP//AAABAA=="/>
+                <pr:smNativeData xmlns:mc="http://schemas.openxmlformats.org/markup-compatibility/2006" xmlns:p14="http://schemas.microsoft.com/office/powerpoint/2010/main" xmlns:p15="http://schemas.microsoft.com/office/powerpoint/2012/main" xmlns:pr="smNativeData" xmlns="smNativeData" val="SMDATA_16_xzE7ZxMAAAAlAAAAZAAAAA8BAAAAkAAAAEgAAACQAAAASAAAAAAAAAAAAAAAAAAAAAEAAABQAAAAAAAAAAAA4D8AAAAAAADgPwAAAAAAAOA/AAAAAAAA4D8AAAAAAADgPwAAAAAAAOA/AAAAAAAA4D8AAAAAAADgPwAAAAAAAOA/AAAAAAAA4D8CAAAAjAAAAAAAAAAAAAAARHLEDP///wgAAAAAAAAAAAAAAAAAAAAAAAAAAAAAAAAAAAAAZAAAAAEAAABAAAAAAAAAAAAAAAAAAAAAAAAAAAAAAAAAAAAAAAAAAAAAAAAAAAAAAAAAAAAAAAAAAAAAAAAAAAAAAAAAAAAAAAAAAAAAAAAAAAAAAAAAAAAAAAAAAAAAFAAAADwAAAAAAAAAAAAAAAAAAAkUAAAAAQAAABQAAAAUAAAAFAAAAAEAAAAAAAAAZAAAAGQAAAAAAAAAZAAAAGQAAAAVAAAAYAAAAAAAAAAAAAAADwAAACADAAAAAAAAAAAAAAEAAACgMgAAVgcAAKr4//8BAAAAf39/AAEAAABkAAAAAAAAABQAAABAHwAAAAAAACYAAAAAAAAAwOD//wAAAAAmAAAAZAAAABYAAABMAAAAAAAAAAAAAAAEAAAAAAAAAAEAAADn5uYKAAAAACgAAAAoAAAAZAAAAGQAAAAAAAAAzMzMAAAAAABQAAAAUAAAAGQAAABkAAAAAAAAABcAAAAUAAAAAAAAAAAAAAD/fwAA/38AAAAAAAAJAAAABAAAAOYAAAAeAAAAaAAAAAAAAAAAAAAAAAAAAAAAAAAAAAAAECcAABAnAAAAAAAAAAAAAAAAAAAAAAAAAAAAAAAAAAAAAAAAAAAAABQAAAAAAAAAwMD/AAAAAABkAAAAMgAAAAAAAABkAAAAAAAAAH9/fwAKAAAAIgAAABgAAAAAAAAAAAAAAAAAAAAAAAAAAAAAAAAAAAAkAAAAJAAAAAAAAAAHAAAAAAAAAAAAAAAAAAAAAAAAAAAAAAAAAAAAf39/ACUAAABYAAAAAAAAAAAAAAAAAAAAAAAAAAAAAAAAAAAAAAAAAAAAAAAAAAAAAAAAAAAAAAA/AAAAAAAAAKCGAQAAAAAAAAAAAAAAAAAMAAAAAQAAAAAAAAAAAAAAAAAAAB8AAABUAAAAAAAABQAAAAEAAAAAAAAAAAAAAAAAAAAAAAAAAAAAAAAAAAAAAAAAAAAAAAJ/f38AAAAAA8zMzADAwP8Af39/AAAAAAAAAAAAAAAAAAAAAAAAAAAAIQAAABgAAAAUAAAAOAQAALgaAAD4JQAACDQAABAAAAAmAAAACAAAAP////8AAAAAMAAAABQAAAAAAAAAAAD//wAAAQAAAP//AAABAA=="/>
               </a:ext>
             </a:extLst>
           </p:cNvSpPr>
@@ -1332,198 +1346,7 @@
             <a:pPr>
               <a:defRPr lang="ru-ru"/>
             </a:pPr>
-          </a:p>
-        </p:txBody>
-      </p:sp>
-    </p:spTree>
-  </p:cSld>
-  <p:clrMapOvr>
-    <a:overrideClrMapping bg1="lt1" tx1="dk1" bg2="lt2" tx2="dk2" accent1="accent1" accent2="accent2" accent3="accent3" accent4="accent4" accent5="accent5" accent6="accent6" hlink="hlink" folHlink="folHlink"/>
-  </p:clrMapOvr>
-</p:notes>
-</file>
-
-<file path=ppt/notesSlides/notesSlide6.xml><?xml version="1.0" encoding="utf-8"?>
-<p:notes xmlns:p="http://schemas.openxmlformats.org/presentationml/2006/main" xmlns:mc="http://schemas.openxmlformats.org/markup-compatibility/2006" xmlns:p14="http://schemas.microsoft.com/office/powerpoint/2010/main" xmlns:p15="http://schemas.microsoft.com/office/powerpoint/2012/main" xmlns:r="http://schemas.openxmlformats.org/officeDocument/2006/relationships" xmlns:a="http://schemas.openxmlformats.org/drawingml/2006/main" showMasterSp="0">
-  <p:cSld>
-    <p:bg>
-      <p:bgPr>
-        <a:solidFill>
-          <a:schemeClr val="bg1"/>
-        </a:solidFill>
-        <a:effectLst/>
-      </p:bgPr>
-    </p:bg>
-    <p:spTree>
-      <p:nvGrpSpPr>
-        <p:cNvPr id="1" name=""/>
-        <p:cNvGrpSpPr/>
-        <p:nvPr/>
-      </p:nvGrpSpPr>
-      <p:grpSpPr>
-        <a:xfrm>
-          <a:off x="0" y="0"/>
-          <a:ext cx="0" cy="0"/>
-          <a:chOff x="0" y="0"/>
-          <a:chExt cx="0" cy="0"/>
-        </a:xfrm>
-      </p:grpSpPr>
-      <p:sp>
-        <p:nvSpPr>
-          <p:cNvPr id="2" name="РисунокСлайда1"/>
-          <p:cNvSpPr>
-            <a:spLocks noGrp="1" noChangeArrowheads="1"/>
-            <a:extLst>
-              <a:ext uri="smNativeData">
-                <pr:smNativeData xmlns:pr="smNativeData" xmlns="smNativeData" val="SMDATA_16_xzE7ZxMAAAAlAAAAZAAAAA8BAAAAkAAAAEgAAACQAAAASAAAAAAAAAABAAAAAAAAAAEAAABQAAAAAAAAAAAA4D8AAAAAAADgPwAAAAAAAOA/AAAAAAAA4D8AAAAAAADgPwAAAAAAAOA/AAAAAAAA4D8AAAAAAADgPwAAAAAAAOA/AAAAAAAA4D8CAAAAjAAAAAEAAAAAAAAARHLEDP///wgAAAAAAAAAAAAAAAAAAAAAAAAAAAAAAAAAAAAAZAAAAAEAAABAAAAAAAAAAAAAAAAAAAAAAAAAAAAAAAAAAAAAAAAAAAAAAAAAAAAAAAAAAAAAAAAAAAAAAAAAAAAAAAAAAAAAAAAAAAAAAAAAAAAAAAAAAAAAAAAAAAAAFAAAADwAAAABAAAAAAAAAAAAAAkUAAAAAQAAABQAAAAUAAAAFAAAAAEAAAAAAAAAZAAAAGQAAAAAAAAAZAAAAGQAAAAVAAAAYAAAAAAAAAAAAAAADwAAACADAAAAAAAAAAAAAAEAAACgMgAAVgcAAKr4//8BAAAAf39/AAEAAABkAAAAAAAAABQAAABAHwAAAAAAACYAAAAAAAAAwOD//wAAAAAmAAAAZAAAABYAAABMAAAAAAAAAAAAAAAEAAAAAAAAAAEAAADn5uYKAAAAACgAAAAoAAAAZAAAAGQAAAAAAAAAzMzMAAAAAABQAAAAUAAAAGQAAABkAAAAAAAAABcAAAAUAAAAAAAAAAAAAAD/fwAA/38AAAAAAAAJAAAABAAAAAAAAAAeAAAAaAAAAAAAAAAAAAAAAAAAAAAAAAAAAAAAECcAABAnAAAAAAAAAAAAAAAAAAAAAAAAAAAAAAAAAAAAAAAAAAAAABQAAAAAAAAAwMD/AAAAAABkAAAAMgAAAAAAAABkAAAAAAAAAH9/fwAKAAAAIgAAABgAAAAAAAAAAAAAAAAAAAAAAAAAAAAAAAAAAAAkAAAAJAAAAAAAAAAHAAAAAAAAAAAAAAAAAAAAAAAAAAAAAAAAAAAAf39/ACUAAABYAAAAAAAAAAAAAAAAAAAAAAAAAAAAAAAAAAAAAAAAAAAAAAAAAAAAAAAAAAAAAAA/AAAAAAAAAKCGAQAAAAAAAAAAAAAAAAAMAAAAAQAAAAAAAAAAAAAAAAAAAB8AAABUAAAAAAAABQAAAAEAAAAAAAAAAAAAAAAAAAAAAAAAAAAAAAAAAAAAAAAAAAAAAAJ/f38AAAAAA8zMzADAwP8Af39/AAAAAAAAAAAAAAAAAAAAAAAAAAAAIQAAABgAAAAUAAAACAcAADgEAAAoIwAAUBkAABAAAAAmAAAACAAAAP////8AAAAAMAAAABQAAAAAAAAAAAD//wAAAQAAAP//AAABAA=="/>
-              </a:ext>
-            </a:extLst>
-          </p:cNvSpPr>
-          <p:nvPr>
-            <p:ph type="sldImg" idx="2"/>
-          </p:nvPr>
-        </p:nvSpPr>
-        <p:spPr>
-          <a:xfrm>
-            <a:off x="1143000" y="685800"/>
-            <a:ext cx="4572000" cy="3429000"/>
-          </a:xfrm>
-          <a:prstGeom prst="rect">
-            <a:avLst/>
-          </a:prstGeom>
-        </p:spPr>
-      </p:sp>
-      <p:sp>
-        <p:nvSpPr>
-          <p:cNvPr id="3" name="ТекстСлайда1"/>
-          <p:cNvSpPr>
-            <a:spLocks noGrp="1" noChangeArrowheads="1"/>
-            <a:extLst>
-              <a:ext uri="smNativeData">
-                <pr:smNativeData xmlns:pr="smNativeData" xmlns="smNativeData" val="SMDATA_16_xzE7ZxMAAAAlAAAAZAAAAA8BAAAAkAAAAEgAAACQAAAASAAAAAAAAAAAAAAAAAAAAAEAAABQAAAAAAAAAAAA4D8AAAAAAADgPwAAAAAAAOA/AAAAAAAA4D8AAAAAAADgPwAAAAAAAOA/AAAAAAAA4D8AAAAAAADgPwAAAAAAAOA/AAAAAAAA4D8CAAAAjAAAAAAAAAAAAAAARHLEDP///wgAAAAAAAAAAAAAAAAAAAAAAAAAAAAAAAAAAAAAZAAAAAEAAABAAAAAAAAAAAAAAAAAAAAAAAAAAAAAAAAAAAAAAAAAAAAAAAAAAAAAAAAAAAAAAAAAAAAAAAAAAAAAAAAAAAAAAAAAAAAAAAAAAAAAAAAAAAAAAAAAAAAAFAAAADwAAAAAAAAAAAAAAAAAAAkUAAAAAQAAABQAAAAUAAAAFAAAAAEAAAAAAAAAZAAAAGQAAAAAAAAAZAAAAGQAAAAVAAAAYAAAAAAAAAAAAAAADwAAACADAAAAAAAAAAAAAAEAAACgMgAAVgcAAKr4//8BAAAAf39/AAEAAABkAAAAAAAAABQAAABAHwAAAAAAACYAAAAAAAAAwOD//wAAAAAmAAAAZAAAABYAAABMAAAAAAAAAAAAAAAEAAAAAAAAAAEAAADn5uYKAAAAACgAAAAoAAAAZAAAAGQAAAAAAAAAzMzMAAAAAABQAAAAUAAAAGQAAABkAAAAAAAAABcAAAAUAAAAAAAAAAAAAAD/fwAA/38AAAAAAAAJAAAABAAAAAAAAAAeAAAAaAAAAAAAAAAAAAAAAAAAAAAAAAAAAAAAECcAABAnAAAAAAAAAAAAAAAAAAAAAAAAAAAAAAAAAAAAAAAAAAAAABQAAAAAAAAAwMD/AAAAAABkAAAAMgAAAAAAAABkAAAAAAAAAH9/fwAKAAAAIgAAABgAAAAAAAAAAAAAAAAAAAAAAAAAAAAAAAAAAAAkAAAAJAAAAAAAAAAHAAAAAAAAAAAAAAAAAAAAAAAAAAAAAAAAAAAAf39/ACUAAABYAAAAAAAAAAAAAAAAAAAAAAAAAAAAAAAAAAAAAAAAAAAAAAAAAAAAAAAAAAAAAAA/AAAAAAAAAKCGAQAAAAAAAAAAAAAAAAAMAAAAAQAAAAAAAAAAAAAAAAAAAB8AAABUAAAAAAAABQAAAAEAAAAAAAAAAAAAAAAAAAAAAAAAAAAAAAAAAAAAAAAAAAAAAAJ/f38AAAAAA8zMzADAwP8Af39/AAAAAAAAAAAAAAAAAAAAAAAAAAAAIQAAABgAAAAUAAAAOAQAALgaAAD4JQAACDQAABAAAAAmAAAACAAAAP////8AAAAAMAAAABQAAAAAAAAAAAD//wAAAQAAAP//AAABAA=="/>
-              </a:ext>
-            </a:extLst>
-          </p:cNvSpPr>
-          <p:nvPr>
-            <p:ph type="body" idx="3"/>
-          </p:nvPr>
-        </p:nvSpPr>
-        <p:spPr>
-          <a:xfrm>
-            <a:off x="685800" y="4343400"/>
-            <a:ext cx="5486400" cy="4114800"/>
-          </a:xfrm>
-          <a:prstGeom prst="rect">
-            <a:avLst/>
-          </a:prstGeom>
-        </p:spPr>
-        <p:txBody>
-          <a:bodyPr vert="horz" wrap="square" numCol="1" spcCol="215900" anchor="t">
-            <a:prstTxWarp prst="textNoShape">
-              <a:avLst/>
-            </a:prstTxWarp>
-          </a:bodyPr>
-          <a:lstStyle/>
-          <a:p>
-            <a:pPr>
-              <a:defRPr lang="ru-ru"/>
-            </a:pPr>
-          </a:p>
-        </p:txBody>
-      </p:sp>
-    </p:spTree>
-  </p:cSld>
-  <p:clrMapOvr>
-    <a:overrideClrMapping bg1="lt1" tx1="dk1" bg2="lt2" tx2="dk2" accent1="accent1" accent2="accent2" accent3="accent3" accent4="accent4" accent5="accent5" accent6="accent6" hlink="hlink" folHlink="folHlink"/>
-  </p:clrMapOvr>
-</p:notes>
-</file>
-
-<file path=ppt/notesSlides/notesSlide7.xml><?xml version="1.0" encoding="utf-8"?>
-<p:notes xmlns:p="http://schemas.openxmlformats.org/presentationml/2006/main" xmlns:mc="http://schemas.openxmlformats.org/markup-compatibility/2006" xmlns:p14="http://schemas.microsoft.com/office/powerpoint/2010/main" xmlns:p15="http://schemas.microsoft.com/office/powerpoint/2012/main" xmlns:r="http://schemas.openxmlformats.org/officeDocument/2006/relationships" xmlns:a="http://schemas.openxmlformats.org/drawingml/2006/main" showMasterSp="0">
-  <p:cSld>
-    <p:bg>
-      <p:bgPr>
-        <a:solidFill>
-          <a:schemeClr val="bg1"/>
-        </a:solidFill>
-        <a:effectLst/>
-      </p:bgPr>
-    </p:bg>
-    <p:spTree>
-      <p:nvGrpSpPr>
-        <p:cNvPr id="1" name=""/>
-        <p:cNvGrpSpPr/>
-        <p:nvPr/>
-      </p:nvGrpSpPr>
-      <p:grpSpPr>
-        <a:xfrm>
-          <a:off x="0" y="0"/>
-          <a:ext cx="0" cy="0"/>
-          <a:chOff x="0" y="0"/>
-          <a:chExt cx="0" cy="0"/>
-        </a:xfrm>
-      </p:grpSpPr>
-      <p:sp>
-        <p:nvSpPr>
-          <p:cNvPr id="2" name="РисунокСлайда1"/>
-          <p:cNvSpPr>
-            <a:spLocks noGrp="1" noChangeArrowheads="1"/>
-            <a:extLst>
-              <a:ext uri="smNativeData">
-                <pr:smNativeData xmlns:pr="smNativeData" xmlns="smNativeData" val="SMDATA_16_xzE7ZxMAAAAlAAAAZAAAAA8BAAAAkAAAAEgAAACQAAAASAAAAAAAAAABAAAAAAAAAAEAAABQAAAAAAAAAAAA4D8AAAAAAADgPwAAAAAAAOA/AAAAAAAA4D8AAAAAAADgPwAAAAAAAOA/AAAAAAAA4D8AAAAAAADgPwAAAAAAAOA/AAAAAAAA4D8CAAAAjAAAAAEAAAAAAAAARHLEDP///wgAAAAAAAAAAAAAAAAAAAAAAAAAAAAAAAAAAAAAZAAAAAEAAABAAAAAAAAAAAAAAAAAAAAAAAAAAAAAAAAAAAAAAAAAAAAAAAAAAAAAAAAAAAAAAAAAAAAAAAAAAAAAAAAAAAAAAAAAAAAAAAAAAAAAAAAAAAAAAAAAAAAAFAAAADwAAAABAAAAAAAAAAAAAAkUAAAAAQAAABQAAAAUAAAAFAAAAAEAAAAAAAAAZAAAAGQAAAAAAAAAZAAAAGQAAAAVAAAAYAAAAAAAAAAAAAAADwAAACADAAAAAAAAAAAAAAEAAACgMgAAVgcAAKr4//8BAAAAf39/AAEAAABkAAAAAAAAABQAAABAHwAAAAAAACYAAAAAAAAAwOD//wAAAAAmAAAAZAAAABYAAABMAAAAAAAAAAAAAAAEAAAAAAAAAAEAAADn5uYKAAAAACgAAAAoAAAAZAAAAGQAAAAAAAAAzMzMAAAAAABQAAAAUAAAAGQAAABkAAAAAAAAABcAAAAUAAAAAAAAAAAAAAD/fwAA/38AAAAAAAAJAAAABAAAAIgAAAAeAAAAaAAAAAAAAAAAAAAAAAAAAAAAAAAAAAAAECcAABAnAAAAAAAAAAAAAAAAAAAAAAAAAAAAAAAAAAAAAAAAAAAAABQAAAAAAAAAwMD/AAAAAABkAAAAMgAAAAAAAABkAAAAAAAAAH9/fwAKAAAAIgAAABgAAAAAAAAAAAAAAAAAAAAAAAAAAAAAAAAAAAAkAAAAJAAAAAAAAAAHAAAAAAAAAAAAAAAAAAAAAAAAAAAAAAAAAAAAf39/ACUAAABYAAAAAAAAAAAAAAAAAAAAAAAAAAAAAAAAAAAAAAAAAAAAAAAAAAAAAAAAAAAAAAA/AAAAAAAAAKCGAQAAAAAAAAAAAAAAAAAMAAAAAQAAAAAAAAAAAAAAAAAAAB8AAABUAAAAAAAABQAAAAEAAAAAAAAAAAAAAAAAAAAAAAAAAAAAAAAAAAAAAAAAAAAAAAJ/f38AAAAAA8zMzADAwP8Af39/AAAAAAAAAAAAAAAAAAAAAAAAAAAAIQAAABgAAAAUAAAACAcAADgEAAAoIwAAUBkAABAAAAAmAAAACAAAAP////8AAAAAMAAAABQAAAAAAAAAAAD//wAAAQAAAP//AAABAA=="/>
-              </a:ext>
-            </a:extLst>
-          </p:cNvSpPr>
-          <p:nvPr>
-            <p:ph type="sldImg" idx="2"/>
-          </p:nvPr>
-        </p:nvSpPr>
-        <p:spPr>
-          <a:xfrm>
-            <a:off x="1143000" y="685800"/>
-            <a:ext cx="4572000" cy="3429000"/>
-          </a:xfrm>
-          <a:prstGeom prst="rect">
-            <a:avLst/>
-          </a:prstGeom>
-        </p:spPr>
-      </p:sp>
-      <p:sp>
-        <p:nvSpPr>
-          <p:cNvPr id="3" name="ТекстСлайда1"/>
-          <p:cNvSpPr>
-            <a:spLocks noGrp="1" noChangeArrowheads="1"/>
-            <a:extLst>
-              <a:ext uri="smNativeData">
-                <pr:smNativeData xmlns:pr="smNativeData" xmlns="smNativeData" val="SMDATA_16_xzE7ZxMAAAAlAAAAZAAAAA8BAAAAkAAAAEgAAACQAAAASAAAAAAAAAAAAAAAAAAAAAEAAABQAAAAAAAAAAAA4D8AAAAAAADgPwAAAAAAAOA/AAAAAAAA4D8AAAAAAADgPwAAAAAAAOA/AAAAAAAA4D8AAAAAAADgPwAAAAAAAOA/AAAAAAAA4D8CAAAAjAAAAAAAAAAAAAAARHLEDP///wgAAAAAAAAAAAAAAAAAAAAAAAAAAAAAAAAAAAAAZAAAAAEAAABAAAAAAAAAAAAAAAAAAAAAAAAAAAAAAAAAAAAAAAAAAAAAAAAAAAAAAAAAAAAAAAAAAAAAAAAAAAAAAAAAAAAAAAAAAAAAAAAAAAAAAAAAAAAAAAAAAAAAFAAAADwAAAAAAAAAAAAAAAAAAAkUAAAAAQAAABQAAAAUAAAAFAAAAAEAAAAAAAAAZAAAAGQAAAAAAAAAZAAAAGQAAAAVAAAAYAAAAAAAAAAAAAAADwAAACADAAAAAAAAAAAAAAEAAACgMgAAVgcAAKr4//8BAAAAf39/AAEAAABkAAAAAAAAABQAAABAHwAAAAAAACYAAAAAAAAAwOD//wAAAAAmAAAAZAAAABYAAABMAAAAAAAAAAAAAAAEAAAAAAAAAAEAAADn5uYKAAAAACgAAAAoAAAAZAAAAGQAAAAAAAAAzMzMAAAAAABQAAAAUAAAAGQAAABkAAAAAAAAABcAAAAUAAAAAAAAAAAAAAD/fwAA/38AAAAAAAAJAAAABAAAAOYAAAAeAAAAaAAAAAAAAAAAAAAAAAAAAAAAAAAAAAAAECcAABAnAAAAAAAAAAAAAAAAAAAAAAAAAAAAAAAAAAAAAAAAAAAAABQAAAAAAAAAwMD/AAAAAABkAAAAMgAAAAAAAABkAAAAAAAAAH9/fwAKAAAAIgAAABgAAAAAAAAAAAAAAAAAAAAAAAAAAAAAAAAAAAAkAAAAJAAAAAAAAAAHAAAAAAAAAAAAAAAAAAAAAAAAAAAAAAAAAAAAf39/ACUAAABYAAAAAAAAAAAAAAAAAAAAAAAAAAAAAAAAAAAAAAAAAAAAAAAAAAAAAAAAAAAAAAA/AAAAAAAAAKCGAQAAAAAAAAAAAAAAAAAMAAAAAQAAAAAAAAAAAAAAAAAAAB8AAABUAAAAAAAABQAAAAEAAAAAAAAAAAAAAAAAAAAAAAAAAAAAAAAAAAAAAAAAAAAAAAJ/f38AAAAAA8zMzADAwP8Af39/AAAAAAAAAAAAAAAAAAAAAAAAAAAAIQAAABgAAAAUAAAAOAQAALgaAAD4JQAACDQAABAAAAAmAAAACAAAAP////8AAAAAMAAAABQAAAAAAAAAAAD//wAAAQAAAP//AAABAA=="/>
-              </a:ext>
-            </a:extLst>
-          </p:cNvSpPr>
-          <p:nvPr>
-            <p:ph type="body" idx="3"/>
-          </p:nvPr>
-        </p:nvSpPr>
-        <p:spPr>
-          <a:xfrm>
-            <a:off x="685800" y="4343400"/>
-            <a:ext cx="5486400" cy="4114800"/>
-          </a:xfrm>
-          <a:prstGeom prst="rect">
-            <a:avLst/>
-          </a:prstGeom>
-        </p:spPr>
-        <p:txBody>
-          <a:bodyPr vert="horz" wrap="square" numCol="1" spcCol="215900" anchor="t">
-            <a:prstTxWarp prst="textNoShape">
-              <a:avLst/>
-            </a:prstTxWarp>
-          </a:bodyPr>
-          <a:lstStyle/>
-          <a:p>
-            <a:pPr>
-              <a:defRPr lang="ru-ru"/>
-            </a:pPr>
+            <a:endParaRPr/>
           </a:p>
         </p:txBody>
       </p:sp>
@@ -1536,7 +1359,7 @@
 </file>
 
 <file path=ppt/slideLayouts/slideLayout1.xml><?xml version="1.0" encoding="utf-8"?>
-<p:sldLayout xmlns:p="http://schemas.openxmlformats.org/presentationml/2006/main" xmlns:mc="http://schemas.openxmlformats.org/markup-compatibility/2006" xmlns:p14="http://schemas.microsoft.com/office/powerpoint/2010/main" xmlns:p15="http://schemas.microsoft.com/office/powerpoint/2012/main" xmlns:r="http://schemas.openxmlformats.org/officeDocument/2006/relationships" xmlns:a="http://schemas.openxmlformats.org/drawingml/2006/main" type="title" preserve="1">
+<p:sldLayout xmlns:a="http://schemas.openxmlformats.org/drawingml/2006/main" xmlns:r="http://schemas.openxmlformats.org/officeDocument/2006/relationships" xmlns:p="http://schemas.openxmlformats.org/presentationml/2006/main" type="title" preserve="1">
   <p:cSld name="Титульный слайд">
     <p:spTree>
       <p:nvGrpSpPr>
@@ -1559,7 +1382,7 @@
             <a:spLocks noGrp="1" noChangeArrowheads="1"/>
             <a:extLst>
               <a:ext uri="smNativeData">
-                <pr:smNativeData xmlns:pr="smNativeData" xmlns="smNativeData" val="SMDATA_16_xzE7ZxMAAAAlAAAAZAAAAA0AAAAAkAAAAEgAAACQAAAASAAAAAAAAAACAAAAAAAAAAEAAABQAAAAAAAAAAAA4D8AAAAAAADgPwAAAAAAAOA/AAAAAAAA4D8AAAAAAADgPwAAAAAAAOA/AAAAAAAA4D8AAAAAAADgPwAAAAAAAOA/AAAAAAAA4D8CAAAAjAAAAAAAAAAAAAAARHLEDP///wgAAAAAAAAAAAAAAAAAAAAAAAAAAAAAAAAAAAAAZAAAAAEAAABAAAAAAAAAAAAAAAAAAAAAAAAAAAAAAAAAAAAAAAAAAAAAAAAAAAAAAAAAAAAAAAAAAAAAAAAAAAAAAAAAAAAAAAAAAAAAAAAAAAAAAAAAAAAAAAAAAAAAFAAAADwAAAAAAAAAAAAAAAAAAAkUAAAAAQAAABQAAAAUAAAAFAAAAAEAAAAAAAAAZAAAAGQAAAAAAAAAZAAAAGQAAAAVAAAAYAAAAAAAAAAAAAAADwAAACADAAAAAAAAAAAAAAEAAACgMgAAVgcAAKr4//8BAAAAf39/AAEAAABkAAAAAAAAABQAAABAHwAAAAAAACYAAAAAAAAAwOD//wAAAAAmAAAAZAAAABYAAABMAAAAAAAAAAAAAAAEAAAAAAAAAAEAAADn5uYKAAAAACgAAAAoAAAAZAAAAGQAAAAAAAAAzMzMAAAAAABQAAAAUAAAAGQAAABkAAAAAAAAABcAAAAUAAAAAAAAAAAAAAD/fwAA/38AAAAAAAAJAAAABAAAAAAAAAAeAAAAaAAAAAAAAAAAAAAAAAAAAAAAAAAAAAAAECcAABAnAAAAAAAAAAAAAAAAAAAAAAAAAAAAAAAAAAAAAAAAAAAAABQAAAAAAAAAwMD/AAAAAABkAAAAMgAAAAAAAABkAAAAAAAAAH9/fwAKAAAAIgAAABgAAAAAAAAAAAAAAAAAAAAAAAAAAAAAAAAAAAAkAAAAJAAAAAAAAAAHAAAAAAAAAAAAAAAAAAAAAAAAAAAAAAAAAAAAf39/ACUAAABYAAAAAAAAAAAAAAAAAAAAAAAAAAAAAAAAAAAAAAAAAAAAAAAAAAAAAAAAAAAAAAA/AAAAAAAAAKCGAQAAAAAAAAAAAAAAAAAMAAAAAQAAAAAAAAAAAAAAAAAAAB8AAABUAAAAAAAABQAAAAEAAAAAAAAAAAAAAAAAAAAAAAAAAAAAAAAAAAAAAAAAAAAAAAJ/f38AAAAAA8zMzADAwP8Af39/AAAAAAAAAAAAAAAAAAAAAAAAAAAAIQAAABgAAAAUAAAAYAkAAOgGAACgQQAAmBUAABAAAAAmAAAACAAAAIGAAAAAAAAAMAAAABQAAAAAAAAAAAD//wAAAQAAAP//AAABAA=="/>
+                <pr:smNativeData xmlns:mc="http://schemas.openxmlformats.org/markup-compatibility/2006" xmlns:p14="http://schemas.microsoft.com/office/powerpoint/2010/main" xmlns:p15="http://schemas.microsoft.com/office/powerpoint/2012/main" xmlns:pr="smNativeData" xmlns="smNativeData" val="SMDATA_16_xzE7ZxMAAAAlAAAAZAAAAA0AAAAAkAAAAEgAAACQAAAASAAAAAAAAAACAAAAAAAAAAEAAABQAAAAAAAAAAAA4D8AAAAAAADgPwAAAAAAAOA/AAAAAAAA4D8AAAAAAADgPwAAAAAAAOA/AAAAAAAA4D8AAAAAAADgPwAAAAAAAOA/AAAAAAAA4D8CAAAAjAAAAAAAAAAAAAAARHLEDP///wgAAAAAAAAAAAAAAAAAAAAAAAAAAAAAAAAAAAAAZAAAAAEAAABAAAAAAAAAAAAAAAAAAAAAAAAAAAAAAAAAAAAAAAAAAAAAAAAAAAAAAAAAAAAAAAAAAAAAAAAAAAAAAAAAAAAAAAAAAAAAAAAAAAAAAAAAAAAAAAAAAAAAFAAAADwAAAAAAAAAAAAAAAAAAAkUAAAAAQAAABQAAAAUAAAAFAAAAAEAAAAAAAAAZAAAAGQAAAAAAAAAZAAAAGQAAAAVAAAAYAAAAAAAAAAAAAAADwAAACADAAAAAAAAAAAAAAEAAACgMgAAVgcAAKr4//8BAAAAf39/AAEAAABkAAAAAAAAABQAAABAHwAAAAAAACYAAAAAAAAAwOD//wAAAAAmAAAAZAAAABYAAABMAAAAAAAAAAAAAAAEAAAAAAAAAAEAAADn5uYKAAAAACgAAAAoAAAAZAAAAGQAAAAAAAAAzMzMAAAAAABQAAAAUAAAAGQAAABkAAAAAAAAABcAAAAUAAAAAAAAAAAAAAD/fwAA/38AAAAAAAAJAAAABAAAAAAAAAAeAAAAaAAAAAAAAAAAAAAAAAAAAAAAAAAAAAAAECcAABAnAAAAAAAAAAAAAAAAAAAAAAAAAAAAAAAAAAAAAAAAAAAAABQAAAAAAAAAwMD/AAAAAABkAAAAMgAAAAAAAABkAAAAAAAAAH9/fwAKAAAAIgAAABgAAAAAAAAAAAAAAAAAAAAAAAAAAAAAAAAAAAAkAAAAJAAAAAAAAAAHAAAAAAAAAAAAAAAAAAAAAAAAAAAAAAAAAAAAf39/ACUAAABYAAAAAAAAAAAAAAAAAAAAAAAAAAAAAAAAAAAAAAAAAAAAAAAAAAAAAAAAAAAAAAA/AAAAAAAAAKCGAQAAAAAAAAAAAAAAAAAMAAAAAQAAAAAAAAAAAAAAAAAAAB8AAABUAAAAAAAABQAAAAEAAAAAAAAAAAAAAAAAAAAAAAAAAAAAAAAAAAAAAAAAAAAAAAJ/f38AAAAAA8zMzADAwP8Af39/AAAAAAAAAAAAAAAAAAAAAAAAAAAAIQAAABgAAAAUAAAAYAkAAOgGAACgQQAAmBUAABAAAAAmAAAACAAAAIGAAAAAAAAAMAAAABQAAAAAAAAAAAD//wAAAQAAAP//AAABAA=="/>
               </a:ext>
             </a:extLst>
           </p:cNvSpPr>
@@ -1625,7 +1448,7 @@
             <a:spLocks noGrp="1" noChangeArrowheads="1"/>
             <a:extLst>
               <a:ext uri="smNativeData">
-                <pr:smNativeData xmlns:pr="smNativeData" xmlns="smNativeData" val="SMDATA_16_xzE7ZxMAAAAlAAAAZAAAAA0AAAAAkAAAAEgAAACQAAAASAAAAAAAAAAAAAAAAAAAAAEAAABQAAAAAAAAAAAA4D8AAAAAAADgPwAAAAAAAOA/AAAAAAAA4D8AAAAAAADgPwAAAAAAAOA/AAAAAAAA4D8AAAAAAADgPwAAAAAAAOA/AAAAAAAA4D8CAAAAjAAAAAAAAAAAAAAARHLEDP///wgAAAAAAAAAAAAAAAAAAAAAAAAAAAAAAAAAAAAAZAAAAAEAAABAAAAAAAAAAAAAAAAAAAAAAAAAAAAAAAAAAAAAAAAAAAAAAAAAAAAAAAAAAAAAAAAAAAAAAAAAAAAAAAAAAAAAAAAAAAAAAAAAAAAAAAAAAAAAAAAAAAAAFAAAADwAAAAAAAAAAAAAAAAAAAkUAAAAAQAAABQAAAAUAAAAFAAAAAEAAAAAAAAAZAAAAGQAAAAAAAAAZAAAAGQAAAAVAAAAYAAAAAAAAAAAAAAADwAAACADAAAAAAAAAAAAAAEAAACgMgAAVgcAAKr4//8BAAAAf39/AAEAAABkAAAAAAAAABQAAABAHwAAAAAAACYAAAAAAAAAwOD//wAAAAAmAAAAZAAAABYAAABMAAAAAAAAAAAAAAAEAAAAAAAAAAEAAADn5uYKAAAAACgAAAAoAAAAZAAAAGQAAAAAAAAAzMzMAAAAAABQAAAAUAAAAGQAAABkAAAAAAAAABcAAAAUAAAAAAAAAAAAAAD/fwAA/38AAAAAAAAJAAAABAAAAHiYZxAeAAAAaAAAAAAAAAAAAAAAAAAAAAAAAAAAAAAAECcAABAnAAAAAAAAAAAAAAAAAAAAAAAAAAAAAAAAAAAAAAAAAAAAABQAAAAAAAAAwMD/AAAAAABkAAAAMgAAAAAAAABkAAAAAAAAAH9/fwAKAAAAIgAAABgAAAAAAAAAAAAAAAAAAAAAAAAAAAAAAAAAAAAkAAAAJAAAAAAAAAAHAAAAAAAAAAAAAAAAAAAAAAAAAAAAAAAAAAAAf39/ACUAAABYAAAAAAAAAAAAAAAAAAAAAAAAAAAAAAAAAAAAAAAAAAAAAAAAAAAAAAAAAAAAAAA/AAAAAAAAAKCGAQAAAAAAAAAAAAAAAAAMAAAAAQAAAAAAAAAAAAAAAAAAAB8AAABUAAAAAAAABQAAAAEAAAAAAAAAAAAAAAAAAAAAAAAAAAAAAAAAAAAAAAAAAAAAAAJ/f38AAAAAA8zMzADAwP8Af39/AAAAAAAAAAAAAAAAAAAAAAAAAAAAIQAAABgAAAAUAAAAYAkAACkWAACgQQAAWCAAABAAAAAmAAAACAAAAAGAAAAAAAAAMAAAABQAAAAAAAAAAAD//wAAAQAAAP//AAABAA=="/>
+                <pr:smNativeData xmlns:mc="http://schemas.openxmlformats.org/markup-compatibility/2006" xmlns:p14="http://schemas.microsoft.com/office/powerpoint/2010/main" xmlns:p15="http://schemas.microsoft.com/office/powerpoint/2012/main" xmlns:pr="smNativeData" xmlns="smNativeData" val="SMDATA_16_xzE7ZxMAAAAlAAAAZAAAAA0AAAAAkAAAAEgAAACQAAAASAAAAAAAAAAAAAAAAAAAAAEAAABQAAAAAAAAAAAA4D8AAAAAAADgPwAAAAAAAOA/AAAAAAAA4D8AAAAAAADgPwAAAAAAAOA/AAAAAAAA4D8AAAAAAADgPwAAAAAAAOA/AAAAAAAA4D8CAAAAjAAAAAAAAAAAAAAARHLEDP///wgAAAAAAAAAAAAAAAAAAAAAAAAAAAAAAAAAAAAAZAAAAAEAAABAAAAAAAAAAAAAAAAAAAAAAAAAAAAAAAAAAAAAAAAAAAAAAAAAAAAAAAAAAAAAAAAAAAAAAAAAAAAAAAAAAAAAAAAAAAAAAAAAAAAAAAAAAAAAAAAAAAAAFAAAADwAAAAAAAAAAAAAAAAAAAkUAAAAAQAAABQAAAAUAAAAFAAAAAEAAAAAAAAAZAAAAGQAAAAAAAAAZAAAAGQAAAAVAAAAYAAAAAAAAAAAAAAADwAAACADAAAAAAAAAAAAAAEAAACgMgAAVgcAAKr4//8BAAAAf39/AAEAAABkAAAAAAAAABQAAABAHwAAAAAAACYAAAAAAAAAwOD//wAAAAAmAAAAZAAAABYAAABMAAAAAAAAAAAAAAAEAAAAAAAAAAEAAADn5uYKAAAAACgAAAAoAAAAZAAAAGQAAAAAAAAAzMzMAAAAAABQAAAAUAAAAGQAAABkAAAAAAAAABcAAAAUAAAAAAAAAAAAAAD/fwAA/38AAAAAAAAJAAAABAAAAHiYZxAeAAAAaAAAAAAAAAAAAAAAAAAAAAAAAAAAAAAAECcAABAnAAAAAAAAAAAAAAAAAAAAAAAAAAAAAAAAAAAAAAAAAAAAABQAAAAAAAAAwMD/AAAAAABkAAAAMgAAAAAAAABkAAAAAAAAAH9/fwAKAAAAIgAAABgAAAAAAAAAAAAAAAAAAAAAAAAAAAAAAAAAAAAkAAAAJAAAAAAAAAAHAAAAAAAAAAAAAAAAAAAAAAAAAAAAAAAAAAAAf39/ACUAAABYAAAAAAAAAAAAAAAAAAAAAAAAAAAAAAAAAAAAAAAAAAAAAAAAAAAAAAAAAAAAAAA/AAAAAAAAAKCGAQAAAAAAAAAAAAAAAAAMAAAAAQAAAAAAAAAAAAAAAAAAAB8AAABUAAAAAAAABQAAAAEAAAAAAAAAAAAAAAAAAAAAAAAAAAAAAAAAAAAAAAAAAAAAAAJ/f38AAAAAA8zMzADAwP8Af39/AAAAAAAAAAAAAAAAAAAAAAAAAAAAIQAAABgAAAAUAAAAYAkAACkWAACgQQAAWCAAABAAAAAmAAAACAAAAAGAAAAAAAAAMAAAABQAAAAAAAAAAAD//wAAAQAAAP//AAABAA=="/>
               </a:ext>
             </a:extLst>
           </p:cNvSpPr>
@@ -1696,7 +1519,7 @@
             <a:spLocks noGrp="1" noChangeArrowheads="1"/>
             <a:extLst>
               <a:ext uri="smNativeData">
-                <pr:smNativeData xmlns:pr="smNativeData" xmlns="smNativeData" val="SMDATA_16_xzE7ZxMAAAAlAAAAZAAAAA0AAAAAkAAAAEgAAACQAAAASAAAAAAAAAABAAAAAAAAAAEAAABQAAAAAAAAAAAA4D8AAAAAAADgPwAAAAAAAOA/AAAAAAAA4D8AAAAAAADgPwAAAAAAAOA/AAAAAAAA4D8AAAAAAADgPwAAAAAAAOA/AAAAAAAA4D8CAAAAjAAAAAAAAAAAAAAARHLEDP///wgAAAAAAAAAAAAAAAAAAAAAAAAAAAAAAAAAAAAAZAAAAAEAAABAAAAAAAAAAAAAAAAAAAAAAAAAAAAAAAAAAAAAAAAAAAAAAAAAAAAAAAAAAAAAAAAAAAAAAAAAAAAAAAAAAAAAAAAAAAAAAAAAAAAAAAAAAAAAAAAAAAAAFAAAADwAAAAAAAAAAAAAAAAAAAkUAAAAAQAAABQAAAAUAAAAFAAAAAEAAAAAAAAAZAAAAGQAAAAAAAAAZAAAAGQAAAAVAAAAYAAAAAAAAAAAAAAADwAAACADAAAAAAAAAAAAAAEAAACgMgAAVgcAAKr4//8BAAAAf39/AAEAAABkAAAAAAAAABQAAABAHwAAAAAAACYAAAAAAAAAwOD//wAAAAAmAAAAZAAAABYAAABMAAAAAAAAAAAAAAAEAAAAAAAAAAEAAADn5uYKAAAAACgAAAAoAAAAZAAAAGQAAAAAAAAAzMzMAAAAAABQAAAAUAAAAGQAAABkAAAAAAAAABcAAAAUAAAAAAAAAAAAAAD/fwAA/38AAAAAAAAJAAAABAAAAAAAAAAeAAAAaAAAAAAAAAAAAAAAAAAAAAAAAAAAAAAAECcAABAnAAAAAAAAAAAAAAAAAAAAAAAAAAAAAAAAAAAAAAAAAAAAABQAAAAAAAAAwMD/AAAAAABkAAAAMgAAAAAAAABkAAAAAAAAAH9/fwAKAAAAIgAAABgAAAAAAAAAAAAAAAAAAAAAAAAAAAAAAAAAAAAkAAAAJAAAAAAAAAAHAAAAAAAAAAAAAAAAAAAAAAAAAAAAAAAAAAAAf39/ACUAAABYAAAAAAAAAAAAAAAAAAAAAAAAAAAAAAAAAAAAAAAAAAAAAAAAAAAAAAAAAAAAAAA/AAAAAAAAAKCGAQAAAAAAAAAAAAAAAAAMAAAAAQAAAAAAAAAAAAAAAAAAAB8AAABUAAAAAAAABQAAAAEAAAAAAAAAAAAAAAAAAAAAAAAAAAAAAAAAAAAAAAAAAAAAAAJ/f38AAAAAA8zMzADAwP8Af39/AAAAAAAAAAAAAAAAAAAAAAAAAAAAIQAAABgAAAAUAAAAKAUAABonAAAIFgAAWSkAABAAAAAmAAAACAAAAAAAAAAAAAAAMAAAABQAAAAAAAAAAAD//wAAAQAAAP//AAABAA=="/>
+                <pr:smNativeData xmlns:mc="http://schemas.openxmlformats.org/markup-compatibility/2006" xmlns:p14="http://schemas.microsoft.com/office/powerpoint/2010/main" xmlns:p15="http://schemas.microsoft.com/office/powerpoint/2012/main" xmlns:pr="smNativeData" xmlns="smNativeData" val="SMDATA_16_xzE7ZxMAAAAlAAAAZAAAAA0AAAAAkAAAAEgAAACQAAAASAAAAAAAAAABAAAAAAAAAAEAAABQAAAAAAAAAAAA4D8AAAAAAADgPwAAAAAAAOA/AAAAAAAA4D8AAAAAAADgPwAAAAAAAOA/AAAAAAAA4D8AAAAAAADgPwAAAAAAAOA/AAAAAAAA4D8CAAAAjAAAAAAAAAAAAAAARHLEDP///wgAAAAAAAAAAAAAAAAAAAAAAAAAAAAAAAAAAAAAZAAAAAEAAABAAAAAAAAAAAAAAAAAAAAAAAAAAAAAAAAAAAAAAAAAAAAAAAAAAAAAAAAAAAAAAAAAAAAAAAAAAAAAAAAAAAAAAAAAAAAAAAAAAAAAAAAAAAAAAAAAAAAAFAAAADwAAAAAAAAAAAAAAAAAAAkUAAAAAQAAABQAAAAUAAAAFAAAAAEAAAAAAAAAZAAAAGQAAAAAAAAAZAAAAGQAAAAVAAAAYAAAAAAAAAAAAAAADwAAACADAAAAAAAAAAAAAAEAAACgMgAAVgcAAKr4//8BAAAAf39/AAEAAABkAAAAAAAAABQAAABAHwAAAAAAACYAAAAAAAAAwOD//wAAAAAmAAAAZAAAABYAAABMAAAAAAAAAAAAAAAEAAAAAAAAAAEAAADn5uYKAAAAACgAAAAoAAAAZAAAAGQAAAAAAAAAzMzMAAAAAABQAAAAUAAAAGQAAABkAAAAAAAAABcAAAAUAAAAAAAAAAAAAAD/fwAA/38AAAAAAAAJAAAABAAAAAAAAAAeAAAAaAAAAAAAAAAAAAAAAAAAAAAAAAAAAAAAECcAABAnAAAAAAAAAAAAAAAAAAAAAAAAAAAAAAAAAAAAAAAAAAAAABQAAAAAAAAAwMD/AAAAAABkAAAAMgAAAAAAAABkAAAAAAAAAH9/fwAKAAAAIgAAABgAAAAAAAAAAAAAAAAAAAAAAAAAAAAAAAAAAAAkAAAAJAAAAAAAAAAHAAAAAAAAAAAAAAAAAAAAAAAAAAAAAAAAAAAAf39/ACUAAABYAAAAAAAAAAAAAAAAAAAAAAAAAAAAAAAAAAAAAAAAAAAAAAAAAAAAAAAAAAAAAAA/AAAAAAAAAKCGAQAAAAAAAAAAAAAAAAAMAAAAAQAAAAAAAAAAAAAAAAAAAB8AAABUAAAAAAAABQAAAAEAAAAAAAAAAAAAAAAAAAAAAAAAAAAAAAAAAAAAAAAAAAAAAAJ/f38AAAAAA8zMzADAwP8Af39/AAAAAAAAAAAAAAAAAAAAAAAAAAAAIQAAABgAAAAUAAAAKAUAABonAAAIFgAAWSkAABAAAAAmAAAACAAAAAAAAAAAAAAAMAAAABQAAAAAAAAAAAD//wAAAQAAAP//AAABAA=="/>
               </a:ext>
             </a:extLst>
           </p:cNvSpPr>
@@ -1713,8 +1536,9 @@
               <a:defRPr lang="ru-ru"/>
             </a:pPr>
             <a:fld id="{3BC5B6D6-98D6-9040-987D-6E15F8336E3B}" type="datetime1">
-              <a:t/>
+              <a:t>20.11.2024</a:t>
             </a:fld>
+            <a:endParaRPr/>
           </a:p>
         </p:txBody>
       </p:sp>
@@ -1725,7 +1549,7 @@
             <a:spLocks noGrp="1" noChangeArrowheads="1"/>
             <a:extLst>
               <a:ext uri="smNativeData">
-                <pr:smNativeData xmlns:pr="smNativeData" xmlns="smNativeData" val="SMDATA_16_xzE7ZxMAAAAlAAAAZAAAAA0AAAAAkAAAAEgAAACQAAAASAAAAAAAAAABAAAAAAAAAAEAAABQAAAAAAAAAAAA4D8AAAAAAADgPwAAAAAAAOA/AAAAAAAA4D8AAAAAAADgPwAAAAAAAOA/AAAAAAAA4D8AAAAAAADgPwAAAAAAAOA/AAAAAAAA4D8CAAAAjAAAAAAAAAAAAAAARHLEDP///wgAAAAAAAAAAAAAAAAAAAAAAAAAAAAAAAAAAAAAZAAAAAEAAABAAAAAAAAAAAAAAAAAAAAAAAAAAAAAAAAAAAAAAAAAAAAAAAAAAAAAAAAAAAAAAAAAAAAAAAAAAAAAAAAAAAAAAAAAAAAAAAAAAAAAAAAAAAAAAAAAAAAAFAAAADwAAAAAAAAAAAAAAAAAAAkUAAAAAQAAABQAAAAUAAAAFAAAAAEAAAAAAAAAZAAAAGQAAAAAAAAAZAAAAGQAAAAVAAAAYAAAAAAAAAAAAAAADwAAACADAAAAAAAAAAAAAAEAAACgMgAAVgcAAKr4//8BAAAAf39/AAEAAABkAAAAAAAAABQAAABAHwAAAAAAACYAAAAAAAAAwOD//wAAAAAmAAAAZAAAABYAAABMAAAAAAAAAAAAAAAEAAAAAAAAAAEAAADn5uYKAAAAACgAAAAoAAAAZAAAAGQAAAAAAAAAzMzMAAAAAABQAAAAUAAAAGQAAABkAAAAAAAAABcAAAAUAAAAAAAAAAAAAAD/fwAA/38AAAAAAAAJAAAABAAAAGwAZQAeAAAAaAAAAAAAAAAAAAAAAAAAAAAAAAAAAAAAECcAABAnAAAAAAAAAAAAAAAAAAAAAAAAAAAAAAAAAAAAAAAAAAAAABQAAAAAAAAAwMD/AAAAAABkAAAAMgAAAAAAAABkAAAAAAAAAH9/fwAKAAAAIgAAABgAAAAAAAAAAAAAAAAAAAAAAAAAAAAAAAAAAAAkAAAAJAAAAAAAAAAHAAAAAAAAAAAAAAAAAAAAAAAAAAAAAAAAAAAAf39/ACUAAABYAAAAAAAAAAAAAAAAAAAAAAAAAAAAAAAAAAAAAAAAAAAAAAAAAAAAAAAAAAAAAAA/AAAAAAAAAKCGAQAAAAAAAAAAAAAAAAAMAAAAAQAAAAAAAAAAAAAAAAAAAB8AAABUAAAAAAAABQAAAAEAAAAAAAAAAAAAAAAAAAAAAAAAAAAAAAAAAAAAAAAAAAAAAAJ/f38AAAAAA8zMzADAwP8Af39/AAAAAAAAAAAAAAAAAAAAAAAAAAAAIQAAABgAAAAUAAAA2BgAABonAAAoMgAAWSkAABAAAAAmAAAACAAAAAAAAAAAAAAAMAAAABQAAAAAAAAAAAD//wAAAQAAAP//AAABAA=="/>
+                <pr:smNativeData xmlns:mc="http://schemas.openxmlformats.org/markup-compatibility/2006" xmlns:p14="http://schemas.microsoft.com/office/powerpoint/2010/main" xmlns:p15="http://schemas.microsoft.com/office/powerpoint/2012/main" xmlns:pr="smNativeData" xmlns="smNativeData" val="SMDATA_16_xzE7ZxMAAAAlAAAAZAAAAA0AAAAAkAAAAEgAAACQAAAASAAAAAAAAAABAAAAAAAAAAEAAABQAAAAAAAAAAAA4D8AAAAAAADgPwAAAAAAAOA/AAAAAAAA4D8AAAAAAADgPwAAAAAAAOA/AAAAAAAA4D8AAAAAAADgPwAAAAAAAOA/AAAAAAAA4D8CAAAAjAAAAAAAAAAAAAAARHLEDP///wgAAAAAAAAAAAAAAAAAAAAAAAAAAAAAAAAAAAAAZAAAAAEAAABAAAAAAAAAAAAAAAAAAAAAAAAAAAAAAAAAAAAAAAAAAAAAAAAAAAAAAAAAAAAAAAAAAAAAAAAAAAAAAAAAAAAAAAAAAAAAAAAAAAAAAAAAAAAAAAAAAAAAFAAAADwAAAAAAAAAAAAAAAAAAAkUAAAAAQAAABQAAAAUAAAAFAAAAAEAAAAAAAAAZAAAAGQAAAAAAAAAZAAAAGQAAAAVAAAAYAAAAAAAAAAAAAAADwAAACADAAAAAAAAAAAAAAEAAACgMgAAVgcAAKr4//8BAAAAf39/AAEAAABkAAAAAAAAABQAAABAHwAAAAAAACYAAAAAAAAAwOD//wAAAAAmAAAAZAAAABYAAABMAAAAAAAAAAAAAAAEAAAAAAAAAAEAAADn5uYKAAAAACgAAAAoAAAAZAAAAGQAAAAAAAAAzMzMAAAAAABQAAAAUAAAAGQAAABkAAAAAAAAABcAAAAUAAAAAAAAAAAAAAD/fwAA/38AAAAAAAAJAAAABAAAAGwAZQAeAAAAaAAAAAAAAAAAAAAAAAAAAAAAAAAAAAAAECcAABAnAAAAAAAAAAAAAAAAAAAAAAAAAAAAAAAAAAAAAAAAAAAAABQAAAAAAAAAwMD/AAAAAABkAAAAMgAAAAAAAABkAAAAAAAAAH9/fwAKAAAAIgAAABgAAAAAAAAAAAAAAAAAAAAAAAAAAAAAAAAAAAAkAAAAJAAAAAAAAAAHAAAAAAAAAAAAAAAAAAAAAAAAAAAAAAAAAAAAf39/ACUAAABYAAAAAAAAAAAAAAAAAAAAAAAAAAAAAAAAAAAAAAAAAAAAAAAAAAAAAAAAAAAAAAA/AAAAAAAAAKCGAQAAAAAAAAAAAAAAAAAMAAAAAQAAAAAAAAAAAAAAAAAAAB8AAABUAAAAAAAABQAAAAEAAAAAAAAAAAAAAAAAAAAAAAAAAAAAAAAAAAAAAAAAAAAAAAJ/f38AAAAAA8zMzADAwP8Af39/AAAAAAAAAAAAAAAAAAAAAAAAAAAAIQAAABgAAAAUAAAA2BgAABonAAAoMgAAWSkAABAAAAAmAAAACAAAAAAAAAAAAAAAMAAAABQAAAAAAAAAAAD//wAAAQAAAP//AAABAA=="/>
               </a:ext>
             </a:extLst>
           </p:cNvSpPr>
@@ -1741,6 +1565,7 @@
             <a:pPr>
               <a:defRPr lang="ru-ru"/>
             </a:pPr>
+            <a:endParaRPr/>
           </a:p>
         </p:txBody>
       </p:sp>
@@ -1751,7 +1576,7 @@
             <a:spLocks noGrp="1" noChangeArrowheads="1"/>
             <a:extLst>
               <a:ext uri="smNativeData">
-                <pr:smNativeData xmlns:pr="smNativeData" xmlns="smNativeData" val="SMDATA_16_xzE7ZxMAAAAlAAAAZAAAAA0AAAAAkAAAAEgAAACQAAAASAAAAAAAAAABAAAAAAAAAAEAAABQAAAAAAAAAAAA4D8AAAAAAADgPwAAAAAAAOA/AAAAAAAA4D8AAAAAAADgPwAAAAAAAOA/AAAAAAAA4D8AAAAAAADgPwAAAAAAAOA/AAAAAAAA4D8CAAAAjAAAAAAAAAAAAAAARHLEDP///wgAAAAAAAAAAAAAAAAAAAAAAAAAAAAAAAAAAAAAZAAAAAEAAABAAAAAAAAAAAAAAAAAAAAAAAAAAAAAAAAAAAAAAAAAAAAAAAAAAAAAAAAAAAAAAAAAAAAAAAAAAAAAAAAAAAAAAAAAAAAAAAAAAAAAAAAAAAAAAAAAAAAAFAAAADwAAAAAAAAAAAAAAAAAAAkUAAAAAQAAABQAAAAUAAAAFAAAAAEAAAAAAAAAZAAAAGQAAAAAAAAAZAAAAGQAAAAVAAAAYAAAAAAAAAAAAAAADwAAACADAAAAAAAAAAAAAAEAAACgMgAAVgcAAKr4//8BAAAAf39/AAEAAABkAAAAAAAAABQAAABAHwAAAAAAACYAAAAAAAAAwOD//wAAAAAmAAAAZAAAABYAAABMAAAAAAAAAAAAAAAEAAAAAAAAAAEAAADn5uYKAAAAACgAAAAoAAAAZAAAAGQAAAAAAAAAzMzMAAAAAABQAAAAUAAAAGQAAABkAAAAAAAAABcAAAAUAAAAAAAAAAAAAAD/fwAA/38AAAAAAAAJAAAABAAAAHAgGrceAAAAaAAAAAAAAAAAAAAAAAAAAAAAAAAAAAAAECcAABAnAAAAAAAAAAAAAAAAAAAAAAAAAAAAAAAAAAAAAAAAAAAAABQAAAAAAAAAwMD/AAAAAABkAAAAMgAAAAAAAABkAAAAAAAAAH9/fwAKAAAAIgAAABgAAAAAAAAAAAAAAAAAAAAAAAAAAAAAAAAAAAAkAAAAJAAAAAAAAAAHAAAAAAAAAAAAAAAAAAAAAAAAAAAAAAAAAAAAf39/ACUAAABYAAAAAAAAAAAAAAAAAAAAAAAAAAAAAAAAAAAAAAAAAAAAAAAAAAAAAAAAAAAAAAA/AAAAAAAAAKCGAQAAAAAAAAAAAAAAAAAMAAAAAQAAAAAAAAAAAAAAAAAAAB8AAABUAAAAAAAABQAAAAEAAAAAAAAAAAAAAAAAAAAAAAAAAAAAAAAAAAAAAAAAAAAAAAJ/f38AAAAAA8zMzADAwP8Af39/AAAAAAAAAAAAAAAAAAAAAAAAAAAAIQAAABgAAAAUAAAA+DQAABonAADYRQAAWSkAABAAAAAmAAAACAAAAAAAAAAAAAAAMAAAABQAAAAAAAAAAAD//wAAAQAAAP//AAABAA=="/>
+                <pr:smNativeData xmlns:mc="http://schemas.openxmlformats.org/markup-compatibility/2006" xmlns:p14="http://schemas.microsoft.com/office/powerpoint/2010/main" xmlns:p15="http://schemas.microsoft.com/office/powerpoint/2012/main" xmlns:pr="smNativeData" xmlns="smNativeData" val="SMDATA_16_xzE7ZxMAAAAlAAAAZAAAAA0AAAAAkAAAAEgAAACQAAAASAAAAAAAAAABAAAAAAAAAAEAAABQAAAAAAAAAAAA4D8AAAAAAADgPwAAAAAAAOA/AAAAAAAA4D8AAAAAAADgPwAAAAAAAOA/AAAAAAAA4D8AAAAAAADgPwAAAAAAAOA/AAAAAAAA4D8CAAAAjAAAAAAAAAAAAAAARHLEDP///wgAAAAAAAAAAAAAAAAAAAAAAAAAAAAAAAAAAAAAZAAAAAEAAABAAAAAAAAAAAAAAAAAAAAAAAAAAAAAAAAAAAAAAAAAAAAAAAAAAAAAAAAAAAAAAAAAAAAAAAAAAAAAAAAAAAAAAAAAAAAAAAAAAAAAAAAAAAAAAAAAAAAAFAAAADwAAAAAAAAAAAAAAAAAAAkUAAAAAQAAABQAAAAUAAAAFAAAAAEAAAAAAAAAZAAAAGQAAAAAAAAAZAAAAGQAAAAVAAAAYAAAAAAAAAAAAAAADwAAACADAAAAAAAAAAAAAAEAAACgMgAAVgcAAKr4//8BAAAAf39/AAEAAABkAAAAAAAAABQAAABAHwAAAAAAACYAAAAAAAAAwOD//wAAAAAmAAAAZAAAABYAAABMAAAAAAAAAAAAAAAEAAAAAAAAAAEAAADn5uYKAAAAACgAAAAoAAAAZAAAAGQAAAAAAAAAzMzMAAAAAABQAAAAUAAAAGQAAABkAAAAAAAAABcAAAAUAAAAAAAAAAAAAAD/fwAA/38AAAAAAAAJAAAABAAAAHAgGrceAAAAaAAAAAAAAAAAAAAAAAAAAAAAAAAAAAAAECcAABAnAAAAAAAAAAAAAAAAAAAAAAAAAAAAAAAAAAAAAAAAAAAAABQAAAAAAAAAwMD/AAAAAABkAAAAMgAAAAAAAABkAAAAAAAAAH9/fwAKAAAAIgAAABgAAAAAAAAAAAAAAAAAAAAAAAAAAAAAAAAAAAAkAAAAJAAAAAAAAAAHAAAAAAAAAAAAAAAAAAAAAAAAAAAAAAAAAAAAf39/ACUAAABYAAAAAAAAAAAAAAAAAAAAAAAAAAAAAAAAAAAAAAAAAAAAAAAAAAAAAAAAAAAAAAA/AAAAAAAAAKCGAQAAAAAAAAAAAAAAAAAMAAAAAQAAAAAAAAAAAAAAAAAAAB8AAABUAAAAAAAABQAAAAEAAAAAAAAAAAAAAAAAAAAAAAAAAAAAAAAAAAAAAAAAAAAAAAJ/f38AAAAAA8zMzADAwP8Af39/AAAAAAAAAAAAAAAAAAAAAAAAAAAAIQAAABgAAAAUAAAA+DQAABonAADYRQAAWSkAABAAAAAmAAAACAAAAAAAAAAAAAAAMAAAABQAAAAAAAAAAAD//wAAAQAAAP//AAABAA=="/>
               </a:ext>
             </a:extLst>
           </p:cNvSpPr>
@@ -1768,8 +1593,9 @@
               <a:defRPr lang="ru-ru"/>
             </a:pPr>
             <a:fld id="{3BC5F3CD-83D6-9005-987D-7550BD336E20}" type="slidenum">
-              <a:t/>
+              <a:t>‹#›</a:t>
             </a:fld>
+            <a:endParaRPr/>
           </a:p>
         </p:txBody>
       </p:sp>
@@ -1783,7 +1609,7 @@
 </file>
 
 <file path=ppt/slideLayouts/slideLayout10.xml><?xml version="1.0" encoding="utf-8"?>
-<p:sldLayout xmlns:p="http://schemas.openxmlformats.org/presentationml/2006/main" xmlns:mc="http://schemas.openxmlformats.org/markup-compatibility/2006" xmlns:p14="http://schemas.microsoft.com/office/powerpoint/2010/main" xmlns:p15="http://schemas.microsoft.com/office/powerpoint/2012/main" xmlns:r="http://schemas.openxmlformats.org/officeDocument/2006/relationships" xmlns:a="http://schemas.openxmlformats.org/drawingml/2006/main" type="vertTx" preserve="1">
+<p:sldLayout xmlns:a="http://schemas.openxmlformats.org/drawingml/2006/main" xmlns:r="http://schemas.openxmlformats.org/officeDocument/2006/relationships" xmlns:p="http://schemas.openxmlformats.org/presentationml/2006/main" type="vertTx" preserve="1">
   <p:cSld name="Заголовок и вертикальный текст">
     <p:spTree>
       <p:nvGrpSpPr>
@@ -1806,7 +1632,7 @@
             <a:spLocks noGrp="1" noChangeArrowheads="1"/>
             <a:extLst>
               <a:ext uri="smNativeData">
-                <pr:smNativeData xmlns:pr="smNativeData" xmlns="smNativeData" val="SMDATA_16_xzE7ZxMAAAAlAAAAZAAAAA0AAAAAkAAAAEgAAACQAAAASAAAAAAAAAABAAAAAAAAAAEAAABQAAAAAAAAAAAA4D8AAAAAAADgPwAAAAAAAOA/AAAAAAAA4D8AAAAAAADgPwAAAAAAAOA/AAAAAAAA4D8AAAAAAADgPwAAAAAAAOA/AAAAAAAA4D8CAAAAjAAAAAAAAAAAAAAARHLEDP///wgAAAAAAAAAAAAAAAAAAAAAAAAAAAAAAAAAAAAAZAAAAAEAAABAAAAAAAAAAAAAAAAAAAAAAAAAAAAAAAAAAAAAAAAAAAAAAAAAAAAAAAAAAAAAAAAAAAAAAAAAAAAAAAAAAAAAAAAAAAAAAAAAAAAAAAAAAAAAAAAAAAAAFAAAADwAAAAAAAAAAAAAAAAAAAkUAAAAAQAAABQAAAAUAAAAFAAAAAEAAAAAAAAAZAAAAGQAAAAAAAAAZAAAAGQAAAAVAAAAYAAAAAAAAAAAAAAADwAAACADAAAAAAAAAAAAAAEAAACgMgAAVgcAAKr4//8BAAAAf39/AAEAAABkAAAAAAAAABQAAABAHwAAAAAAACYAAAAAAAAAwOD//wAAAAAmAAAAZAAAABYAAABMAAAAAAAAAAAAAAAEAAAAAAAAAAEAAADn5uYKAAAAACgAAAAoAAAAZAAAAGQAAAAAAAAAzMzMAAAAAABQAAAAUAAAAGQAAABkAAAAAAAAABcAAAAUAAAAAAAAAAAAAAD/fwAA/38AAAAAAAAJAAAABAAAAAAAAAAeAAAAaAAAAAAAAAAAAAAAAAAAAAAAAAAAAAAAECcAABAnAAAAAAAAAAAAAAAAAAAAAAAAAAAAAAAAAAAAAAAAAAAAABQAAAAAAAAAwMD/AAAAAABkAAAAMgAAAAAAAABkAAAAAAAAAH9/fwAKAAAAIgAAABgAAAAAAAAAAAAAAAAAAAAAAAAAAAAAAAAAAAAkAAAAJAAAAAAAAAAHAAAAAAAAAAAAAAAAAAAAAAAAAAAAAAAAAAAAf39/ACUAAABYAAAAAAAAAAAAAAAAAAAAAAAAAAAAAAAAAAAAAAAAAAAAAAAAAAAAAAAAAAAAAAA/AAAAAAAAAKCGAQAAAAAAAAAAAAAAAAAMAAAAAQAAAAAAAAAAAAAAAAAAAB8AAABUAAAAAAAABQAAAAEAAAAAAAAAAAAAAAAAAAAAAAAAAAAAAAAAAAAAAAAAAAAAAAJ/f38AAAAAA8zMzADAwP8Af39/AAAAAAAAAAAAAAAAAAAAAAAAAAAAIQAAABgAAAAUAAAAKAUAAD8CAADYRQAAZwoAABAAAAAmAAAACAAAAAAAAAAAAAAAMAAAABQAAAAAAAAAAAD//wAAAQAAAP//AAABAA=="/>
+                <pr:smNativeData xmlns:mc="http://schemas.openxmlformats.org/markup-compatibility/2006" xmlns:p14="http://schemas.microsoft.com/office/powerpoint/2010/main" xmlns:p15="http://schemas.microsoft.com/office/powerpoint/2012/main" xmlns:pr="smNativeData" xmlns="smNativeData" val="SMDATA_16_xzE7ZxMAAAAlAAAAZAAAAA0AAAAAkAAAAEgAAACQAAAASAAAAAAAAAABAAAAAAAAAAEAAABQAAAAAAAAAAAA4D8AAAAAAADgPwAAAAAAAOA/AAAAAAAA4D8AAAAAAADgPwAAAAAAAOA/AAAAAAAA4D8AAAAAAADgPwAAAAAAAOA/AAAAAAAA4D8CAAAAjAAAAAAAAAAAAAAARHLEDP///wgAAAAAAAAAAAAAAAAAAAAAAAAAAAAAAAAAAAAAZAAAAAEAAABAAAAAAAAAAAAAAAAAAAAAAAAAAAAAAAAAAAAAAAAAAAAAAAAAAAAAAAAAAAAAAAAAAAAAAAAAAAAAAAAAAAAAAAAAAAAAAAAAAAAAAAAAAAAAAAAAAAAAFAAAADwAAAAAAAAAAAAAAAAAAAkUAAAAAQAAABQAAAAUAAAAFAAAAAEAAAAAAAAAZAAAAGQAAAAAAAAAZAAAAGQAAAAVAAAAYAAAAAAAAAAAAAAADwAAACADAAAAAAAAAAAAAAEAAACgMgAAVgcAAKr4//8BAAAAf39/AAEAAABkAAAAAAAAABQAAABAHwAAAAAAACYAAAAAAAAAwOD//wAAAAAmAAAAZAAAABYAAABMAAAAAAAAAAAAAAAEAAAAAAAAAAEAAADn5uYKAAAAACgAAAAoAAAAZAAAAGQAAAAAAAAAzMzMAAAAAABQAAAAUAAAAGQAAABkAAAAAAAAABcAAAAUAAAAAAAAAAAAAAD/fwAA/38AAAAAAAAJAAAABAAAAAAAAAAeAAAAaAAAAAAAAAAAAAAAAAAAAAAAAAAAAAAAECcAABAnAAAAAAAAAAAAAAAAAAAAAAAAAAAAAAAAAAAAAAAAAAAAABQAAAAAAAAAwMD/AAAAAABkAAAAMgAAAAAAAABkAAAAAAAAAH9/fwAKAAAAIgAAABgAAAAAAAAAAAAAAAAAAAAAAAAAAAAAAAAAAAAkAAAAJAAAAAAAAAAHAAAAAAAAAAAAAAAAAAAAAAAAAAAAAAAAAAAAf39/ACUAAABYAAAAAAAAAAAAAAAAAAAAAAAAAAAAAAAAAAAAAAAAAAAAAAAAAAAAAAAAAAAAAAA/AAAAAAAAAKCGAQAAAAAAAAAAAAAAAAAMAAAAAQAAAAAAAAAAAAAAAAAAAB8AAABUAAAAAAAABQAAAAEAAAAAAAAAAAAAAAAAAAAAAAAAAAAAAAAAAAAAAAAAAAAAAAJ/f38AAAAAA8zMzADAwP8Af39/AAAAAAAAAAAAAAAAAAAAAAAAAAAAIQAAABgAAAAUAAAAKAUAAD8CAADYRQAAZwoAABAAAAAmAAAACAAAAAAAAAAAAAAAMAAAABQAAAAAAAAAAAD//wAAAQAAAP//AAABAA=="/>
               </a:ext>
             </a:extLst>
           </p:cNvSpPr>
@@ -1835,7 +1661,7 @@
             <a:spLocks noGrp="1" noChangeArrowheads="1"/>
             <a:extLst>
               <a:ext uri="smNativeData">
-                <pr:smNativeData xmlns:pr="smNativeData" xmlns="smNativeData" val="SMDATA_16_xzE7ZxMAAAAlAAAAZAAAAA0AAAAAkAAAAEgAAACQAAAASAAAAAAAAAAAAAAAAQAAAAEAAABQAAAAAAAAAAAA4D8AAAAAAADgPwAAAAAAAOA/AAAAAAAA4D8AAAAAAADgPwAAAAAAAOA/AAAAAAAA4D8AAAAAAADgPwAAAAAAAOA/AAAAAAAA4D8CAAAAjAAAAAAAAAAAAAAARHLEDP///wgAAAAAAAAAAAAAAAAAAAAAAAAAAAAAAAAAAAAAZAAAAAEAAABAAAAAAAAAAAAAAAAAAAAAAAAAAAAAAAAAAAAAAAAAAAAAAAAAAAAAAAAAAAAAAAAAAAAAAAAAAAAAAAAAAAAAAAAAAAAAAAAAAAAAAAAAAAAAAAAAAAAAFAAAADwAAAAAAAAAAAAAAAAAAAkUAAAAAQAAABQAAAAUAAAAFAAAAAEAAAAAAAAAZAAAAGQAAAAAAAAAZAAAAGQAAAAVAAAAYAAAAAAAAAAAAAAADwAAACADAAAAAAAAAAAAAAEAAACgMgAAVgcAAKr4//8BAAAAf39/AAEAAABkAAAAAAAAABQAAABAHwAAAAAAACYAAAAAAAAAwOD//wAAAAAmAAAAZAAAABYAAABMAAAAAAAAAAAAAAAEAAAAAAAAAAEAAADn5uYKAAAAACgAAAAoAAAAZAAAAGQAAAAAAAAAzMzMAAAAAABQAAAAUAAAAGQAAABkAAAAAAAAABcAAAAUAAAAAAAAAAAAAAD/fwAA/38AAAAAAAAJAAAABAAAAAAAAAAeAAAAaAAAAAAAAAAAAAAAAAAAAAAAAAAAAAAAECcAABAnAAAAAAAAAAAAAAAAAAAAAAAAAAAAAAAAAAAAAAAAAAAAABQAAAAAAAAAwMD/AAAAAABkAAAAMgAAAAAAAABkAAAAAAAAAH9/fwAKAAAAIgAAABgAAAAAAAAAAAAAAAAAAAAAAAAAAAAAAAAAAAAkAAAAJAAAAAAAAAAHAAAAAAAAAAAAAAAAAAAAAAAAAAAAAAAAAAAAf39/ACUAAABYAAAAAAAAAAAAAAAAAAAAAAAAAAAAAAAAAAAAAAAAAAAAAAAAAAAAAAAAAAAAAAA/AAAAAAAAAKCGAQAAAAAAAAAAAAAAAAAMAAAAAQAAAAAAAAAAAAAAAAAAAB8AAABUAAAAAAAABQAAAAEAAAAAAAAAAAAAAAAAAAAAAAAAAAAAAAAAAAAAAAAAAAAAAAJ/f38AAAAAA8zMzADAwP8Af39/AAAAAAAAAAAAAAAAAAAAAAAAAAAAIQAAABgAAAAUAAAAKAUAADsLAADYRQAAACYAABAAAAAmAAAACAAAAAIAAAAAAAAAMAAAABQAAAAAAAAAAAD//wAAAQAAAP//AAABAA=="/>
+                <pr:smNativeData xmlns:mc="http://schemas.openxmlformats.org/markup-compatibility/2006" xmlns:p14="http://schemas.microsoft.com/office/powerpoint/2010/main" xmlns:p15="http://schemas.microsoft.com/office/powerpoint/2012/main" xmlns:pr="smNativeData" xmlns="smNativeData" val="SMDATA_16_xzE7ZxMAAAAlAAAAZAAAAA0AAAAAkAAAAEgAAACQAAAASAAAAAAAAAAAAAAAAQAAAAEAAABQAAAAAAAAAAAA4D8AAAAAAADgPwAAAAAAAOA/AAAAAAAA4D8AAAAAAADgPwAAAAAAAOA/AAAAAAAA4D8AAAAAAADgPwAAAAAAAOA/AAAAAAAA4D8CAAAAjAAAAAAAAAAAAAAARHLEDP///wgAAAAAAAAAAAAAAAAAAAAAAAAAAAAAAAAAAAAAZAAAAAEAAABAAAAAAAAAAAAAAAAAAAAAAAAAAAAAAAAAAAAAAAAAAAAAAAAAAAAAAAAAAAAAAAAAAAAAAAAAAAAAAAAAAAAAAAAAAAAAAAAAAAAAAAAAAAAAAAAAAAAAFAAAADwAAAAAAAAAAAAAAAAAAAkUAAAAAQAAABQAAAAUAAAAFAAAAAEAAAAAAAAAZAAAAGQAAAAAAAAAZAAAAGQAAAAVAAAAYAAAAAAAAAAAAAAADwAAACADAAAAAAAAAAAAAAEAAACgMgAAVgcAAKr4//8BAAAAf39/AAEAAABkAAAAAAAAABQAAABAHwAAAAAAACYAAAAAAAAAwOD//wAAAAAmAAAAZAAAABYAAABMAAAAAAAAAAAAAAAEAAAAAAAAAAEAAADn5uYKAAAAACgAAAAoAAAAZAAAAGQAAAAAAAAAzMzMAAAAAABQAAAAUAAAAGQAAABkAAAAAAAAABcAAAAUAAAAAAAAAAAAAAD/fwAA/38AAAAAAAAJAAAABAAAAAAAAAAeAAAAaAAAAAAAAAAAAAAAAAAAAAAAAAAAAAAAECcAABAnAAAAAAAAAAAAAAAAAAAAAAAAAAAAAAAAAAAAAAAAAAAAABQAAAAAAAAAwMD/AAAAAABkAAAAMgAAAAAAAABkAAAAAAAAAH9/fwAKAAAAIgAAABgAAAAAAAAAAAAAAAAAAAAAAAAAAAAAAAAAAAAkAAAAJAAAAAAAAAAHAAAAAAAAAAAAAAAAAAAAAAAAAAAAAAAAAAAAf39/ACUAAABYAAAAAAAAAAAAAAAAAAAAAAAAAAAAAAAAAAAAAAAAAAAAAAAAAAAAAAAAAAAAAAA/AAAAAAAAAKCGAQAAAAAAAAAAAAAAAAAMAAAAAQAAAAAAAAAAAAAAAAAAAB8AAABUAAAAAAAABQAAAAEAAAAAAAAAAAAAAAAAAAAAAAAAAAAAAAAAAAAAAAAAAAAAAAJ/f38AAAAAA8zMzADAwP8Af39/AAAAAAAAAAAAAAAAAAAAAAAAAAAAIQAAABgAAAAUAAAAKAUAADsLAADYRQAAACYAABAAAAAmAAAACAAAAAIAAAAAAAAAMAAAABQAAAAAAAAAAAD//wAAAQAAAP//AAABAA=="/>
               </a:ext>
             </a:extLst>
           </p:cNvSpPr>
@@ -1900,7 +1726,7 @@
             <a:spLocks noGrp="1" noChangeArrowheads="1"/>
             <a:extLst>
               <a:ext uri="smNativeData">
-                <pr:smNativeData xmlns:pr="smNativeData" xmlns="smNativeData" val="SMDATA_16_xzE7ZxMAAAAlAAAAZAAAAA0AAAAAkAAAAEgAAACQAAAASAAAAAAAAAABAAAAAAAAAAEAAABQAAAAAAAAAAAA4D8AAAAAAADgPwAAAAAAAOA/AAAAAAAA4D8AAAAAAADgPwAAAAAAAOA/AAAAAAAA4D8AAAAAAADgPwAAAAAAAOA/AAAAAAAA4D8CAAAAjAAAAAAAAAAAAAAARHLEDP///wgAAAAAAAAAAAAAAAAAAAAAAAAAAAAAAAAAAAAAZAAAAAEAAABAAAAAAAAAAAAAAAAAAAAAAAAAAAAAAAAAAAAAAAAAAAAAAAAAAAAAAAAAAAAAAAAAAAAAAAAAAAAAAAAAAAAAAAAAAAAAAAAAAAAAAAAAAAAAAAAAAAAAFAAAADwAAAAAAAAAAAAAAAAAAAkUAAAAAQAAABQAAAAUAAAAFAAAAAEAAAAAAAAAZAAAAGQAAAAAAAAAZAAAAGQAAAAVAAAAYAAAAAAAAAAAAAAADwAAACADAAAAAAAAAAAAAAEAAACgMgAAVgcAAKr4//8BAAAAf39/AAEAAABkAAAAAAAAABQAAABAHwAAAAAAACYAAAAAAAAAwOD//wAAAAAmAAAAZAAAABYAAABMAAAAAAAAAAAAAAAEAAAAAAAAAAEAAADn5uYKAAAAACgAAAAoAAAAZAAAAGQAAAAAAAAAzMzMAAAAAABQAAAAUAAAAGQAAABkAAAAAAAAABcAAAAUAAAAAAAAAAAAAAD/fwAA/38AAAAAAAAJAAAABAAAAAAAAAAeAAAAaAAAAAAAAAAAAAAAAAAAAAAAAAAAAAAAECcAABAnAAAAAAAAAAAAAAAAAAAAAAAAAAAAAAAAAAAAAAAAAAAAABQAAAAAAAAAwMD/AAAAAABkAAAAMgAAAAAAAABkAAAAAAAAAH9/fwAKAAAAIgAAABgAAAAAAAAAAAAAAAAAAAAAAAAAAAAAAAAAAAAkAAAAJAAAAAAAAAAHAAAAAAAAAAAAAAAAAAAAAAAAAAAAAAAAAAAAf39/ACUAAABYAAAAAAAAAAAAAAAAAAAAAAAAAAAAAAAAAAAAAAAAAAAAAAAAAAAAAAAAAAAAAAA/AAAAAAAAAKCGAQAAAAAAAAAAAAAAAAAMAAAAAQAAAAAAAAAAAAAAAAAAAB8AAABUAAAAAAAABQAAAAEAAAAAAAAAAAAAAAAAAAAAAAAAAAAAAAAAAAAAAAAAAAAAAAJ/f38AAAAAA8zMzADAwP8Af39/AAAAAAAAAAAAAAAAAAAAAAAAAAAAIQAAABgAAAAUAAAAKAUAABonAAAIFgAAWSkAABAAAAAmAAAACAAAAAAAAAAAAAAAMAAAABQAAAAAAAAAAAD//wAAAQAAAP//AAABAA=="/>
+                <pr:smNativeData xmlns:mc="http://schemas.openxmlformats.org/markup-compatibility/2006" xmlns:p14="http://schemas.microsoft.com/office/powerpoint/2010/main" xmlns:p15="http://schemas.microsoft.com/office/powerpoint/2012/main" xmlns:pr="smNativeData" xmlns="smNativeData" val="SMDATA_16_xzE7ZxMAAAAlAAAAZAAAAA0AAAAAkAAAAEgAAACQAAAASAAAAAAAAAABAAAAAAAAAAEAAABQAAAAAAAAAAAA4D8AAAAAAADgPwAAAAAAAOA/AAAAAAAA4D8AAAAAAADgPwAAAAAAAOA/AAAAAAAA4D8AAAAAAADgPwAAAAAAAOA/AAAAAAAA4D8CAAAAjAAAAAAAAAAAAAAARHLEDP///wgAAAAAAAAAAAAAAAAAAAAAAAAAAAAAAAAAAAAAZAAAAAEAAABAAAAAAAAAAAAAAAAAAAAAAAAAAAAAAAAAAAAAAAAAAAAAAAAAAAAAAAAAAAAAAAAAAAAAAAAAAAAAAAAAAAAAAAAAAAAAAAAAAAAAAAAAAAAAAAAAAAAAFAAAADwAAAAAAAAAAAAAAAAAAAkUAAAAAQAAABQAAAAUAAAAFAAAAAEAAAAAAAAAZAAAAGQAAAAAAAAAZAAAAGQAAAAVAAAAYAAAAAAAAAAAAAAADwAAACADAAAAAAAAAAAAAAEAAACgMgAAVgcAAKr4//8BAAAAf39/AAEAAABkAAAAAAAAABQAAABAHwAAAAAAACYAAAAAAAAAwOD//wAAAAAmAAAAZAAAABYAAABMAAAAAAAAAAAAAAAEAAAAAAAAAAEAAADn5uYKAAAAACgAAAAoAAAAZAAAAGQAAAAAAAAAzMzMAAAAAABQAAAAUAAAAGQAAABkAAAAAAAAABcAAAAUAAAAAAAAAAAAAAD/fwAA/38AAAAAAAAJAAAABAAAAAAAAAAeAAAAaAAAAAAAAAAAAAAAAAAAAAAAAAAAAAAAECcAABAnAAAAAAAAAAAAAAAAAAAAAAAAAAAAAAAAAAAAAAAAAAAAABQAAAAAAAAAwMD/AAAAAABkAAAAMgAAAAAAAABkAAAAAAAAAH9/fwAKAAAAIgAAABgAAAAAAAAAAAAAAAAAAAAAAAAAAAAAAAAAAAAkAAAAJAAAAAAAAAAHAAAAAAAAAAAAAAAAAAAAAAAAAAAAAAAAAAAAf39/ACUAAABYAAAAAAAAAAAAAAAAAAAAAAAAAAAAAAAAAAAAAAAAAAAAAAAAAAAAAAAAAAAAAAA/AAAAAAAAAKCGAQAAAAAAAAAAAAAAAAAMAAAAAQAAAAAAAAAAAAAAAAAAAB8AAABUAAAAAAAABQAAAAEAAAAAAAAAAAAAAAAAAAAAAAAAAAAAAAAAAAAAAAAAAAAAAAJ/f38AAAAAA8zMzADAwP8Af39/AAAAAAAAAAAAAAAAAAAAAAAAAAAAIQAAABgAAAAUAAAAKAUAABonAAAIFgAAWSkAABAAAAAmAAAACAAAAAAAAAAAAAAAMAAAABQAAAAAAAAAAAD//wAAAQAAAP//AAABAA=="/>
               </a:ext>
             </a:extLst>
           </p:cNvSpPr>
@@ -1917,8 +1743,9 @@
               <a:defRPr lang="ru-ru"/>
             </a:pPr>
             <a:fld id="{3BC5D9F0-BED6-902F-987D-487A97336E1D}" type="datetime1">
-              <a:t>18.11.2024</a:t>
+              <a:t>20.11.2024</a:t>
             </a:fld>
+            <a:endParaRPr/>
           </a:p>
         </p:txBody>
       </p:sp>
@@ -1929,7 +1756,7 @@
             <a:spLocks noGrp="1" noChangeArrowheads="1"/>
             <a:extLst>
               <a:ext uri="smNativeData">
-                <pr:smNativeData xmlns:pr="smNativeData" xmlns="smNativeData" val="SMDATA_16_xzE7ZxMAAAAlAAAAZAAAAA0AAAAAkAAAAEgAAACQAAAASAAAAAAAAAABAAAAAAAAAAEAAABQAAAAAAAAAAAA4D8AAAAAAADgPwAAAAAAAOA/AAAAAAAA4D8AAAAAAADgPwAAAAAAAOA/AAAAAAAA4D8AAAAAAADgPwAAAAAAAOA/AAAAAAAA4D8CAAAAjAAAAAAAAAAAAAAARHLEDP///wgAAAAAAAAAAAAAAAAAAAAAAAAAAAAAAAAAAAAAZAAAAAEAAABAAAAAAAAAAAAAAAAAAAAAAAAAAAAAAAAAAAAAAAAAAAAAAAAAAAAAAAAAAAAAAAAAAAAAAAAAAAAAAAAAAAAAAAAAAAAAAAAAAAAAAAAAAAAAAAAAAAAAFAAAADwAAAAAAAAAAAAAAAAAAAkUAAAAAQAAABQAAAAUAAAAFAAAAAEAAAAAAAAAZAAAAGQAAAAAAAAAZAAAAGQAAAAVAAAAYAAAAAAAAAAAAAAADwAAACADAAAAAAAAAAAAAAEAAACgMgAAVgcAAKr4//8BAAAAf39/AAEAAABkAAAAAAAAABQAAABAHwAAAAAAACYAAAAAAAAAwOD//wAAAAAmAAAAZAAAABYAAABMAAAAAAAAAAAAAAAEAAAAAAAAAAEAAADn5uYKAAAAACgAAAAoAAAAZAAAAGQAAAAAAAAAzMzMAAAAAABQAAAAUAAAAGQAAABkAAAAAAAAABcAAAAUAAAAAAAAAAAAAAD/fwAA/38AAAAAAAAJAAAABAAAAAAAAAAeAAAAaAAAAAAAAAAAAAAAAAAAAAAAAAAAAAAAECcAABAnAAAAAAAAAAAAAAAAAAAAAAAAAAAAAAAAAAAAAAAAAAAAABQAAAAAAAAAwMD/AAAAAABkAAAAMgAAAAAAAABkAAAAAAAAAH9/fwAKAAAAIgAAABgAAAAAAAAAAAAAAAAAAAAAAAAAAAAAAAAAAAAkAAAAJAAAAAAAAAAHAAAAAAAAAAAAAAAAAAAAAAAAAAAAAAAAAAAAf39/ACUAAABYAAAAAAAAAAAAAAAAAAAAAAAAAAAAAAAAAAAAAAAAAAAAAAAAAAAAAAAAAAAAAAA/AAAAAAAAAKCGAQAAAAAAAAAAAAAAAAAMAAAAAQAAAAAAAAAAAAAAAAAAAB8AAABUAAAAAAAABQAAAAEAAAAAAAAAAAAAAAAAAAAAAAAAAAAAAAAAAAAAAAAAAAAAAAJ/f38AAAAAA8zMzADAwP8Af39/AAAAAAAAAAAAAAAAAAAAAAAAAAAAIQAAABgAAAAUAAAA2BgAABonAAAoMgAAWSkAABAAAAAmAAAACAAAAAAAAAAAAAAAMAAAABQAAAAAAAAAAAD//wAAAQAAAP//AAABAA=="/>
+                <pr:smNativeData xmlns:mc="http://schemas.openxmlformats.org/markup-compatibility/2006" xmlns:p14="http://schemas.microsoft.com/office/powerpoint/2010/main" xmlns:p15="http://schemas.microsoft.com/office/powerpoint/2012/main" xmlns:pr="smNativeData" xmlns="smNativeData" val="SMDATA_16_xzE7ZxMAAAAlAAAAZAAAAA0AAAAAkAAAAEgAAACQAAAASAAAAAAAAAABAAAAAAAAAAEAAABQAAAAAAAAAAAA4D8AAAAAAADgPwAAAAAAAOA/AAAAAAAA4D8AAAAAAADgPwAAAAAAAOA/AAAAAAAA4D8AAAAAAADgPwAAAAAAAOA/AAAAAAAA4D8CAAAAjAAAAAAAAAAAAAAARHLEDP///wgAAAAAAAAAAAAAAAAAAAAAAAAAAAAAAAAAAAAAZAAAAAEAAABAAAAAAAAAAAAAAAAAAAAAAAAAAAAAAAAAAAAAAAAAAAAAAAAAAAAAAAAAAAAAAAAAAAAAAAAAAAAAAAAAAAAAAAAAAAAAAAAAAAAAAAAAAAAAAAAAAAAAFAAAADwAAAAAAAAAAAAAAAAAAAkUAAAAAQAAABQAAAAUAAAAFAAAAAEAAAAAAAAAZAAAAGQAAAAAAAAAZAAAAGQAAAAVAAAAYAAAAAAAAAAAAAAADwAAACADAAAAAAAAAAAAAAEAAACgMgAAVgcAAKr4//8BAAAAf39/AAEAAABkAAAAAAAAABQAAABAHwAAAAAAACYAAAAAAAAAwOD//wAAAAAmAAAAZAAAABYAAABMAAAAAAAAAAAAAAAEAAAAAAAAAAEAAADn5uYKAAAAACgAAAAoAAAAZAAAAGQAAAAAAAAAzMzMAAAAAABQAAAAUAAAAGQAAABkAAAAAAAAABcAAAAUAAAAAAAAAAAAAAD/fwAA/38AAAAAAAAJAAAABAAAAAAAAAAeAAAAaAAAAAAAAAAAAAAAAAAAAAAAAAAAAAAAECcAABAnAAAAAAAAAAAAAAAAAAAAAAAAAAAAAAAAAAAAAAAAAAAAABQAAAAAAAAAwMD/AAAAAABkAAAAMgAAAAAAAABkAAAAAAAAAH9/fwAKAAAAIgAAABgAAAAAAAAAAAAAAAAAAAAAAAAAAAAAAAAAAAAkAAAAJAAAAAAAAAAHAAAAAAAAAAAAAAAAAAAAAAAAAAAAAAAAAAAAf39/ACUAAABYAAAAAAAAAAAAAAAAAAAAAAAAAAAAAAAAAAAAAAAAAAAAAAAAAAAAAAAAAAAAAAA/AAAAAAAAAKCGAQAAAAAAAAAAAAAAAAAMAAAAAQAAAAAAAAAAAAAAAAAAAB8AAABUAAAAAAAABQAAAAEAAAAAAAAAAAAAAAAAAAAAAAAAAAAAAAAAAAAAAAAAAAAAAAJ/f38AAAAAA8zMzADAwP8Af39/AAAAAAAAAAAAAAAAAAAAAAAAAAAAIQAAABgAAAAUAAAA2BgAABonAAAoMgAAWSkAABAAAAAmAAAACAAAAAAAAAAAAAAAMAAAABQAAAAAAAAAAAD//wAAAQAAAP//AAABAA=="/>
               </a:ext>
             </a:extLst>
           </p:cNvSpPr>
@@ -1945,6 +1772,7 @@
             <a:pPr>
               <a:defRPr lang="ru-ru"/>
             </a:pPr>
+            <a:endParaRPr/>
           </a:p>
         </p:txBody>
       </p:sp>
@@ -1955,7 +1783,7 @@
             <a:spLocks noGrp="1" noChangeArrowheads="1"/>
             <a:extLst>
               <a:ext uri="smNativeData">
-                <pr:smNativeData xmlns:pr="smNativeData" xmlns="smNativeData" val="SMDATA_16_xzE7ZxMAAAAlAAAAZAAAAA0AAAAAkAAAAEgAAACQAAAASAAAAAAAAAABAAAAAAAAAAEAAABQAAAAAAAAAAAA4D8AAAAAAADgPwAAAAAAAOA/AAAAAAAA4D8AAAAAAADgPwAAAAAAAOA/AAAAAAAA4D8AAAAAAADgPwAAAAAAAOA/AAAAAAAA4D8CAAAAjAAAAAAAAAAAAAAARHLEDP///wgAAAAAAAAAAAAAAAAAAAAAAAAAAAAAAAAAAAAAZAAAAAEAAABAAAAAAAAAAAAAAAAAAAAAAAAAAAAAAAAAAAAAAAAAAAAAAAAAAAAAAAAAAAAAAAAAAAAAAAAAAAAAAAAAAAAAAAAAAAAAAAAAAAAAAAAAAAAAAAAAAAAAFAAAADwAAAAAAAAAAAAAAAAAAAkUAAAAAQAAABQAAAAUAAAAFAAAAAEAAAAAAAAAZAAAAGQAAAAAAAAAZAAAAGQAAAAVAAAAYAAAAAAAAAAAAAAADwAAACADAAAAAAAAAAAAAAEAAACgMgAAVgcAAKr4//8BAAAAf39/AAEAAABkAAAAAAAAABQAAABAHwAAAAAAACYAAAAAAAAAwOD//wAAAAAmAAAAZAAAABYAAABMAAAAAAAAAAAAAAAEAAAAAAAAAAEAAADn5uYKAAAAACgAAAAoAAAAZAAAAGQAAAAAAAAAzMzMAAAAAABQAAAAUAAAAGQAAABkAAAAAAAAABcAAAAUAAAAAAAAAAAAAAD/fwAA/38AAAAAAAAJAAAABAAAAAAAAAAeAAAAaAAAAAAAAAAAAAAAAAAAAAAAAAAAAAAAECcAABAnAAAAAAAAAAAAAAAAAAAAAAAAAAAAAAAAAAAAAAAAAAAAABQAAAAAAAAAwMD/AAAAAABkAAAAMgAAAAAAAABkAAAAAAAAAH9/fwAKAAAAIgAAABgAAAAAAAAAAAAAAAAAAAAAAAAAAAAAAAAAAAAkAAAAJAAAAAAAAAAHAAAAAAAAAAAAAAAAAAAAAAAAAAAAAAAAAAAAf39/ACUAAABYAAAAAAAAAAAAAAAAAAAAAAAAAAAAAAAAAAAAAAAAAAAAAAAAAAAAAAAAAAAAAAA/AAAAAAAAAKCGAQAAAAAAAAAAAAAAAAAMAAAAAQAAAAAAAAAAAAAAAAAAAB8AAABUAAAAAAAABQAAAAEAAAAAAAAAAAAAAAAAAAAAAAAAAAAAAAAAAAAAAAAAAAAAAAJ/f38AAAAAA8zMzADAwP8Af39/AAAAAAAAAAAAAAAAAAAAAAAAAAAAIQAAABgAAAAUAAAA+DQAABonAADYRQAAWSkAABAAAAAmAAAACAAAAAAAAAAAAAAAMAAAABQAAAAAAAAAAAD//wAAAQAAAP//AAABAA=="/>
+                <pr:smNativeData xmlns:mc="http://schemas.openxmlformats.org/markup-compatibility/2006" xmlns:p14="http://schemas.microsoft.com/office/powerpoint/2010/main" xmlns:p15="http://schemas.microsoft.com/office/powerpoint/2012/main" xmlns:pr="smNativeData" xmlns="smNativeData" val="SMDATA_16_xzE7ZxMAAAAlAAAAZAAAAA0AAAAAkAAAAEgAAACQAAAASAAAAAAAAAABAAAAAAAAAAEAAABQAAAAAAAAAAAA4D8AAAAAAADgPwAAAAAAAOA/AAAAAAAA4D8AAAAAAADgPwAAAAAAAOA/AAAAAAAA4D8AAAAAAADgPwAAAAAAAOA/AAAAAAAA4D8CAAAAjAAAAAAAAAAAAAAARHLEDP///wgAAAAAAAAAAAAAAAAAAAAAAAAAAAAAAAAAAAAAZAAAAAEAAABAAAAAAAAAAAAAAAAAAAAAAAAAAAAAAAAAAAAAAAAAAAAAAAAAAAAAAAAAAAAAAAAAAAAAAAAAAAAAAAAAAAAAAAAAAAAAAAAAAAAAAAAAAAAAAAAAAAAAFAAAADwAAAAAAAAAAAAAAAAAAAkUAAAAAQAAABQAAAAUAAAAFAAAAAEAAAAAAAAAZAAAAGQAAAAAAAAAZAAAAGQAAAAVAAAAYAAAAAAAAAAAAAAADwAAACADAAAAAAAAAAAAAAEAAACgMgAAVgcAAKr4//8BAAAAf39/AAEAAABkAAAAAAAAABQAAABAHwAAAAAAACYAAAAAAAAAwOD//wAAAAAmAAAAZAAAABYAAABMAAAAAAAAAAAAAAAEAAAAAAAAAAEAAADn5uYKAAAAACgAAAAoAAAAZAAAAGQAAAAAAAAAzMzMAAAAAABQAAAAUAAAAGQAAABkAAAAAAAAABcAAAAUAAAAAAAAAAAAAAD/fwAA/38AAAAAAAAJAAAABAAAAAAAAAAeAAAAaAAAAAAAAAAAAAAAAAAAAAAAAAAAAAAAECcAABAnAAAAAAAAAAAAAAAAAAAAAAAAAAAAAAAAAAAAAAAAAAAAABQAAAAAAAAAwMD/AAAAAABkAAAAMgAAAAAAAABkAAAAAAAAAH9/fwAKAAAAIgAAABgAAAAAAAAAAAAAAAAAAAAAAAAAAAAAAAAAAAAkAAAAJAAAAAAAAAAHAAAAAAAAAAAAAAAAAAAAAAAAAAAAAAAAAAAAf39/ACUAAABYAAAAAAAAAAAAAAAAAAAAAAAAAAAAAAAAAAAAAAAAAAAAAAAAAAAAAAAAAAAAAAA/AAAAAAAAAKCGAQAAAAAAAAAAAAAAAAAMAAAAAQAAAAAAAAAAAAAAAAAAAB8AAABUAAAAAAAABQAAAAEAAAAAAAAAAAAAAAAAAAAAAAAAAAAAAAAAAAAAAAAAAAAAAAJ/f38AAAAAA8zMzADAwP8Af39/AAAAAAAAAAAAAAAAAAAAAAAAAAAAIQAAABgAAAAUAAAA+DQAABonAADYRQAAWSkAABAAAAAmAAAACAAAAAAAAAAAAAAAMAAAABQAAAAAAAAAAAD//wAAAQAAAP//AAABAA=="/>
               </a:ext>
             </a:extLst>
           </p:cNvSpPr>
@@ -1974,6 +1802,7 @@
             <a:fld id="{3BC5AAA0-EED6-905C-987D-1809E4336E4D}" type="slidenum">
               <a:t>‹#›</a:t>
             </a:fld>
+            <a:endParaRPr/>
           </a:p>
         </p:txBody>
       </p:sp>
@@ -1987,7 +1816,7 @@
 </file>
 
 <file path=ppt/slideLayouts/slideLayout11.xml><?xml version="1.0" encoding="utf-8"?>
-<p:sldLayout xmlns:p="http://schemas.openxmlformats.org/presentationml/2006/main" xmlns:mc="http://schemas.openxmlformats.org/markup-compatibility/2006" xmlns:p14="http://schemas.microsoft.com/office/powerpoint/2010/main" xmlns:p15="http://schemas.microsoft.com/office/powerpoint/2012/main" xmlns:r="http://schemas.openxmlformats.org/officeDocument/2006/relationships" xmlns:a="http://schemas.openxmlformats.org/drawingml/2006/main" type="vertTitleAndTx" preserve="1">
+<p:sldLayout xmlns:a="http://schemas.openxmlformats.org/drawingml/2006/main" xmlns:r="http://schemas.openxmlformats.org/officeDocument/2006/relationships" xmlns:p="http://schemas.openxmlformats.org/presentationml/2006/main" type="vertTitleAndTx" preserve="1">
   <p:cSld name="Вертикальный заголовок и текст">
     <p:spTree>
       <p:nvGrpSpPr>
@@ -2010,7 +1839,7 @@
             <a:spLocks noGrp="1" noChangeArrowheads="1"/>
             <a:extLst>
               <a:ext uri="smNativeData">
-                <pr:smNativeData xmlns:pr="smNativeData" xmlns="smNativeData" val="SMDATA_16_xzE7ZxMAAAAlAAAAZAAAAA0AAAAAkAAAAEgAAACQAAAASAAAAAAAAAABAAAAAQAAAAEAAABQAAAAAAAAAAAA4D8AAAAAAADgPwAAAAAAAOA/AAAAAAAA4D8AAAAAAADgPwAAAAAAAOA/AAAAAAAA4D8AAAAAAADgPwAAAAAAAOA/AAAAAAAA4D8CAAAAjAAAAAAAAAAAAAAARHLEDP///wgAAAAAAAAAAAAAAAAAAAAAAAAAAAAAAAAAAAAAZAAAAAEAAABAAAAAAAAAAAAAAAAAAAAAAAAAAAAAAAAAAAAAAAAAAAAAAAAAAAAAAAAAAAAAAAAAAAAAAAAAAAAAAAAAAAAAAAAAAAAAAAAAAAAAAAAAAAAAAAAAAAAAFAAAADwAAAAAAAAAAAAAAAAAAAkUAAAAAQAAABQAAAAUAAAAFAAAAAEAAAAAAAAAZAAAAGQAAAAAAAAAZAAAAGQAAAAVAAAAYAAAAAAAAAAAAAAADwAAACADAAAAAAAAAAAAAAEAAACgMgAAVgcAAKr4//8BAAAAf39/AAEAAABkAAAAAAAAABQAAABAHwAAAAAAACYAAAAAAAAAwOD//wAAAAAmAAAAZAAAABYAAABMAAAAAAAAAAAAAAAEAAAAAAAAAAEAAADn5uYKAAAAACgAAAAoAAAAZAAAAGQAAAAAAAAAzMzMAAAAAABQAAAAUAAAAGQAAABkAAAAAAAAABcAAAAUAAAAAAAAAAAAAAD/fwAA/38AAAAAAAAJAAAABAAAAAAAAAAeAAAAaAAAAAAAAAAAAAAAAAAAAAAAAAAAAAAAECcAABAnAAAAAAAAAAAAAAAAAAAAAAAAAAAAAAAAAAAAAAAAAAAAABQAAAAAAAAAwMD/AAAAAABkAAAAMgAAAAAAAABkAAAAAAAAAH9/fwAKAAAAIgAAABgAAAAAAAAAAAAAAAAAAAAAAAAAAAAAAAAAAAAkAAAAJAAAAAAAAAAHAAAAAAAAAAAAAAAAAAAAAAAAAAAAAAAAAAAAf39/ACUAAABYAAAAAAAAAAAAAAAAAAAAAAAAAAAAAAAAAAAAAAAAAAAAAAAAAAAAAAAAAAAAAAA/AAAAAAAAAKCGAQAAAAAAAAAAAAAAAAAMAAAAAQAAAAAAAAAAAAAAAAAAAB8AAABUAAAAAAAABQAAAAEAAAAAAAAAAAAAAAAAAAAAAAAAAAAAAAAAAAAAAAAAAAAAAAJ/f38AAAAAA8zMzADAwP8Af39/AAAAAAAAAAAAAAAAAAAAAAAAAAAAIQAAABgAAAAUAAAArDUAAD8CAADYRQAAACYAABAAAAAmAAAACAAAAAMAAAAAAAAAMAAAABQAAAAAAAAAAAD//wAAAQAAAP//AAABAA=="/>
+                <pr:smNativeData xmlns:mc="http://schemas.openxmlformats.org/markup-compatibility/2006" xmlns:p14="http://schemas.microsoft.com/office/powerpoint/2010/main" xmlns:p15="http://schemas.microsoft.com/office/powerpoint/2012/main" xmlns:pr="smNativeData" xmlns="smNativeData" val="SMDATA_16_xzE7ZxMAAAAlAAAAZAAAAA0AAAAAkAAAAEgAAACQAAAASAAAAAAAAAABAAAAAQAAAAEAAABQAAAAAAAAAAAA4D8AAAAAAADgPwAAAAAAAOA/AAAAAAAA4D8AAAAAAADgPwAAAAAAAOA/AAAAAAAA4D8AAAAAAADgPwAAAAAAAOA/AAAAAAAA4D8CAAAAjAAAAAAAAAAAAAAARHLEDP///wgAAAAAAAAAAAAAAAAAAAAAAAAAAAAAAAAAAAAAZAAAAAEAAABAAAAAAAAAAAAAAAAAAAAAAAAAAAAAAAAAAAAAAAAAAAAAAAAAAAAAAAAAAAAAAAAAAAAAAAAAAAAAAAAAAAAAAAAAAAAAAAAAAAAAAAAAAAAAAAAAAAAAFAAAADwAAAAAAAAAAAAAAAAAAAkUAAAAAQAAABQAAAAUAAAAFAAAAAEAAAAAAAAAZAAAAGQAAAAAAAAAZAAAAGQAAAAVAAAAYAAAAAAAAAAAAAAADwAAACADAAAAAAAAAAAAAAEAAACgMgAAVgcAAKr4//8BAAAAf39/AAEAAABkAAAAAAAAABQAAABAHwAAAAAAACYAAAAAAAAAwOD//wAAAAAmAAAAZAAAABYAAABMAAAAAAAAAAAAAAAEAAAAAAAAAAEAAADn5uYKAAAAACgAAAAoAAAAZAAAAGQAAAAAAAAAzMzMAAAAAABQAAAAUAAAAGQAAABkAAAAAAAAABcAAAAUAAAAAAAAAAAAAAD/fwAA/38AAAAAAAAJAAAABAAAAAAAAAAeAAAAaAAAAAAAAAAAAAAAAAAAAAAAAAAAAAAAECcAABAnAAAAAAAAAAAAAAAAAAAAAAAAAAAAAAAAAAAAAAAAAAAAABQAAAAAAAAAwMD/AAAAAABkAAAAMgAAAAAAAABkAAAAAAAAAH9/fwAKAAAAIgAAABgAAAAAAAAAAAAAAAAAAAAAAAAAAAAAAAAAAAAkAAAAJAAAAAAAAAAHAAAAAAAAAAAAAAAAAAAAAAAAAAAAAAAAAAAAf39/ACUAAABYAAAAAAAAAAAAAAAAAAAAAAAAAAAAAAAAAAAAAAAAAAAAAAAAAAAAAAAAAAAAAAA/AAAAAAAAAKCGAQAAAAAAAAAAAAAAAAAMAAAAAQAAAAAAAAAAAAAAAAAAAB8AAABUAAAAAAAABQAAAAEAAAAAAAAAAAAAAAAAAAAAAAAAAAAAAAAAAAAAAAAAAAAAAAJ/f38AAAAAA8zMzADAwP8Af39/AAAAAAAAAAAAAAAAAAAAAAAAAAAAIQAAABgAAAAUAAAArDUAAD8CAADYRQAAACYAABAAAAAmAAAACAAAAAMAAAAAAAAAMAAAABQAAAAAAAAAAAD//wAAAQAAAP//AAABAA=="/>
               </a:ext>
             </a:extLst>
           </p:cNvSpPr>
@@ -2048,7 +1877,7 @@
             <a:spLocks noGrp="1" noChangeArrowheads="1"/>
             <a:extLst>
               <a:ext uri="smNativeData">
-                <pr:smNativeData xmlns:pr="smNativeData" xmlns="smNativeData" val="SMDATA_16_xzE7ZxMAAAAlAAAAZAAAAA0AAAAAkAAAAEgAAACQAAAASAAAAAAAAAAAAAAAAQAAAAEAAABQAAAAAAAAAAAA4D8AAAAAAADgPwAAAAAAAOA/AAAAAAAA4D8AAAAAAADgPwAAAAAAAOA/AAAAAAAA4D8AAAAAAADgPwAAAAAAAOA/AAAAAAAA4D8CAAAAjAAAAAAAAAAAAAAARHLEDP///wgAAAAAAAAAAAAAAAAAAAAAAAAAAAAAAAAAAAAAZAAAAAEAAABAAAAAAAAAAAAAAAAAAAAAAAAAAAAAAAAAAAAAAAAAAAAAAAAAAAAAAAAAAAAAAAAAAAAAAAAAAAAAAAAAAAAAAAAAAAAAAAAAAAAAAAAAAAAAAAAAAAAAFAAAADwAAAAAAAAAAAAAAAAAAAkUAAAAAQAAABQAAAAUAAAAFAAAAAEAAAAAAAAAZAAAAGQAAAAAAAAAZAAAAGQAAAAVAAAAYAAAAAAAAAAAAAAADwAAACADAAAAAAAAAAAAAAEAAACgMgAAVgcAAKr4//8BAAAAf39/AAEAAABkAAAAAAAAABQAAABAHwAAAAAAACYAAAAAAAAAwOD//wAAAAAmAAAAZAAAABYAAABMAAAAAAAAAAAAAAAEAAAAAAAAAAEAAADn5uYKAAAAACgAAAAoAAAAZAAAAGQAAAAAAAAAzMzMAAAAAABQAAAAUAAAAGQAAABkAAAAAAAAABcAAAAUAAAAAAAAAAAAAAD/fwAA/38AAAAAAAAJAAAABAAAAAAAAAAeAAAAaAAAAAAAAAAAAAAAAAAAAAAAAAAAAAAAECcAABAnAAAAAAAAAAAAAAAAAAAAAAAAAAAAAAAAAAAAAAAAAAAAABQAAAAAAAAAwMD/AAAAAABkAAAAMgAAAAAAAABkAAAAAAAAAH9/fwAKAAAAIgAAABgAAAAAAAAAAAAAAAAAAAAAAAAAAAAAAAAAAAAkAAAAJAAAAAAAAAAHAAAAAAAAAAAAAAAAAAAAAAAAAAAAAAAAAAAAf39/ACUAAABYAAAAAAAAAAAAAAAAAAAAAAAAAAAAAAAAAAAAAAAAAAAAAAAAAAAAAAAAAAAAAAA/AAAAAAAAAKCGAQAAAAAAAAAAAAAAAAAMAAAAAQAAAAAAAAAAAAAAAAAAAB8AAABUAAAAAAAABQAAAAEAAAAAAAAAAAAAAAAAAAAAAAAAAAAAAAAAAAAAAAAAAAAAAAJ/f38AAAAAA8zMzADAwP8Af39/AAAAAAAAAAAAAAAAAAAAAAAAAAAAIQAAABgAAAAUAAAAKAUAAD8CAAC8NAAAACYAABAAAAAmAAAACAAAAAMAAAAAAAAAMAAAABQAAAAAAAAAAAD//wAAAQAAAP//AAABAA=="/>
+                <pr:smNativeData xmlns:mc="http://schemas.openxmlformats.org/markup-compatibility/2006" xmlns:p14="http://schemas.microsoft.com/office/powerpoint/2010/main" xmlns:p15="http://schemas.microsoft.com/office/powerpoint/2012/main" xmlns:pr="smNativeData" xmlns="smNativeData" val="SMDATA_16_xzE7ZxMAAAAlAAAAZAAAAA0AAAAAkAAAAEgAAACQAAAASAAAAAAAAAAAAAAAAQAAAAEAAABQAAAAAAAAAAAA4D8AAAAAAADgPwAAAAAAAOA/AAAAAAAA4D8AAAAAAADgPwAAAAAAAOA/AAAAAAAA4D8AAAAAAADgPwAAAAAAAOA/AAAAAAAA4D8CAAAAjAAAAAAAAAAAAAAARHLEDP///wgAAAAAAAAAAAAAAAAAAAAAAAAAAAAAAAAAAAAAZAAAAAEAAABAAAAAAAAAAAAAAAAAAAAAAAAAAAAAAAAAAAAAAAAAAAAAAAAAAAAAAAAAAAAAAAAAAAAAAAAAAAAAAAAAAAAAAAAAAAAAAAAAAAAAAAAAAAAAAAAAAAAAFAAAADwAAAAAAAAAAAAAAAAAAAkUAAAAAQAAABQAAAAUAAAAFAAAAAEAAAAAAAAAZAAAAGQAAAAAAAAAZAAAAGQAAAAVAAAAYAAAAAAAAAAAAAAADwAAACADAAAAAAAAAAAAAAEAAACgMgAAVgcAAKr4//8BAAAAf39/AAEAAABkAAAAAAAAABQAAABAHwAAAAAAACYAAAAAAAAAwOD//wAAAAAmAAAAZAAAABYAAABMAAAAAAAAAAAAAAAEAAAAAAAAAAEAAADn5uYKAAAAACgAAAAoAAAAZAAAAGQAAAAAAAAAzMzMAAAAAABQAAAAUAAAAGQAAABkAAAAAAAAABcAAAAUAAAAAAAAAAAAAAD/fwAA/38AAAAAAAAJAAAABAAAAAAAAAAeAAAAaAAAAAAAAAAAAAAAAAAAAAAAAAAAAAAAECcAABAnAAAAAAAAAAAAAAAAAAAAAAAAAAAAAAAAAAAAAAAAAAAAABQAAAAAAAAAwMD/AAAAAABkAAAAMgAAAAAAAABkAAAAAAAAAH9/fwAKAAAAIgAAABgAAAAAAAAAAAAAAAAAAAAAAAAAAAAAAAAAAAAkAAAAJAAAAAAAAAAHAAAAAAAAAAAAAAAAAAAAAAAAAAAAAAAAAAAAf39/ACUAAABYAAAAAAAAAAAAAAAAAAAAAAAAAAAAAAAAAAAAAAAAAAAAAAAAAAAAAAAAAAAAAAA/AAAAAAAAAKCGAQAAAAAAAAAAAAAAAAAMAAAAAQAAAAAAAAAAAAAAAAAAAB8AAABUAAAAAAAABQAAAAEAAAAAAAAAAAAAAAAAAAAAAAAAAAAAAAAAAAAAAAAAAAAAAAJ/f38AAAAAA8zMzADAwP8Af39/AAAAAAAAAAAAAAAAAAAAAAAAAAAAIQAAABgAAAAUAAAAKAUAAD8CAAC8NAAAACYAABAAAAAmAAAACAAAAAMAAAAAAAAAMAAAABQAAAAAAAAAAAD//wAAAQAAAP//AAABAA=="/>
               </a:ext>
             </a:extLst>
           </p:cNvSpPr>
@@ -2118,7 +1947,7 @@
             <a:spLocks noGrp="1" noChangeArrowheads="1"/>
             <a:extLst>
               <a:ext uri="smNativeData">
-                <pr:smNativeData xmlns:pr="smNativeData" xmlns="smNativeData" val="SMDATA_16_xzE7ZxMAAAAlAAAAZAAAAA0AAAAAkAAAAEgAAACQAAAASAAAAAAAAAABAAAAAAAAAAEAAABQAAAAAAAAAAAA4D8AAAAAAADgPwAAAAAAAOA/AAAAAAAA4D8AAAAAAADgPwAAAAAAAOA/AAAAAAAA4D8AAAAAAADgPwAAAAAAAOA/AAAAAAAA4D8CAAAAjAAAAAAAAAAAAAAARHLEDP///wgAAAAAAAAAAAAAAAAAAAAAAAAAAAAAAAAAAAAAZAAAAAEAAABAAAAAAAAAAAAAAAAAAAAAAAAAAAAAAAAAAAAAAAAAAAAAAAAAAAAAAAAAAAAAAAAAAAAAAAAAAAAAAAAAAAAAAAAAAAAAAAAAAAAAAAAAAAAAAAAAAAAAFAAAADwAAAAAAAAAAAAAAAAAAAkUAAAAAQAAABQAAAAUAAAAFAAAAAEAAAAAAAAAZAAAAGQAAAAAAAAAZAAAAGQAAAAVAAAAYAAAAAAAAAAAAAAADwAAACADAAAAAAAAAAAAAAEAAACgMgAAVgcAAKr4//8BAAAAf39/AAEAAABkAAAAAAAAABQAAABAHwAAAAAAACYAAAAAAAAAwOD//wAAAAAmAAAAZAAAABYAAABMAAAAAAAAAAAAAAAEAAAAAAAAAAEAAADn5uYKAAAAACgAAAAoAAAAZAAAAGQAAAAAAAAAzMzMAAAAAABQAAAAUAAAAGQAAABkAAAAAAAAABcAAAAUAAAAAAAAAAAAAAD/fwAA/38AAAAAAAAJAAAABAAAAAAAAAAeAAAAaAAAAAAAAAAAAAAAAAAAAAAAAAAAAAAAECcAABAnAAAAAAAAAAAAAAAAAAAAAAAAAAAAAAAAAAAAAAAAAAAAABQAAAAAAAAAwMD/AAAAAABkAAAAMgAAAAAAAABkAAAAAAAAAH9/fwAKAAAAIgAAABgAAAAAAAAAAAAAAAAAAAAAAAAAAAAAAAAAAAAkAAAAJAAAAAAAAAAHAAAAAAAAAAAAAAAAAAAAAAAAAAAAAAAAAAAAf39/ACUAAABYAAAAAAAAAAAAAAAAAAAAAAAAAAAAAAAAAAAAAAAAAAAAAAAAAAAAAAAAAAAAAAA/AAAAAAAAAKCGAQAAAAAAAAAAAAAAAAAMAAAAAQAAAAAAAAAAAAAAAAAAAB8AAABUAAAAAAAABQAAAAEAAAAAAAAAAAAAAAAAAAAAAAAAAAAAAAAAAAAAAAAAAAAAAAJ/f38AAAAAA8zMzADAwP8Af39/AAAAAAAAAAAAAAAAAAAAAAAAAAAAIQAAABgAAAAUAAAAKAUAABonAAAIFgAAWSkAABAAAAAmAAAACAAAAAAAAAAAAAAAMAAAABQAAAAAAAAAAAD//wAAAQAAAP//AAABAA=="/>
+                <pr:smNativeData xmlns:mc="http://schemas.openxmlformats.org/markup-compatibility/2006" xmlns:p14="http://schemas.microsoft.com/office/powerpoint/2010/main" xmlns:p15="http://schemas.microsoft.com/office/powerpoint/2012/main" xmlns:pr="smNativeData" xmlns="smNativeData" val="SMDATA_16_xzE7ZxMAAAAlAAAAZAAAAA0AAAAAkAAAAEgAAACQAAAASAAAAAAAAAABAAAAAAAAAAEAAABQAAAAAAAAAAAA4D8AAAAAAADgPwAAAAAAAOA/AAAAAAAA4D8AAAAAAADgPwAAAAAAAOA/AAAAAAAA4D8AAAAAAADgPwAAAAAAAOA/AAAAAAAA4D8CAAAAjAAAAAAAAAAAAAAARHLEDP///wgAAAAAAAAAAAAAAAAAAAAAAAAAAAAAAAAAAAAAZAAAAAEAAABAAAAAAAAAAAAAAAAAAAAAAAAAAAAAAAAAAAAAAAAAAAAAAAAAAAAAAAAAAAAAAAAAAAAAAAAAAAAAAAAAAAAAAAAAAAAAAAAAAAAAAAAAAAAAAAAAAAAAFAAAADwAAAAAAAAAAAAAAAAAAAkUAAAAAQAAABQAAAAUAAAAFAAAAAEAAAAAAAAAZAAAAGQAAAAAAAAAZAAAAGQAAAAVAAAAYAAAAAAAAAAAAAAADwAAACADAAAAAAAAAAAAAAEAAACgMgAAVgcAAKr4//8BAAAAf39/AAEAAABkAAAAAAAAABQAAABAHwAAAAAAACYAAAAAAAAAwOD//wAAAAAmAAAAZAAAABYAAABMAAAAAAAAAAAAAAAEAAAAAAAAAAEAAADn5uYKAAAAACgAAAAoAAAAZAAAAGQAAAAAAAAAzMzMAAAAAABQAAAAUAAAAGQAAABkAAAAAAAAABcAAAAUAAAAAAAAAAAAAAD/fwAA/38AAAAAAAAJAAAABAAAAAAAAAAeAAAAaAAAAAAAAAAAAAAAAAAAAAAAAAAAAAAAECcAABAnAAAAAAAAAAAAAAAAAAAAAAAAAAAAAAAAAAAAAAAAAAAAABQAAAAAAAAAwMD/AAAAAABkAAAAMgAAAAAAAABkAAAAAAAAAH9/fwAKAAAAIgAAABgAAAAAAAAAAAAAAAAAAAAAAAAAAAAAAAAAAAAkAAAAJAAAAAAAAAAHAAAAAAAAAAAAAAAAAAAAAAAAAAAAAAAAAAAAf39/ACUAAABYAAAAAAAAAAAAAAAAAAAAAAAAAAAAAAAAAAAAAAAAAAAAAAAAAAAAAAAAAAAAAAA/AAAAAAAAAKCGAQAAAAAAAAAAAAAAAAAMAAAAAQAAAAAAAAAAAAAAAAAAAB8AAABUAAAAAAAABQAAAAEAAAAAAAAAAAAAAAAAAAAAAAAAAAAAAAAAAAAAAAAAAAAAAAJ/f38AAAAAA8zMzADAwP8Af39/AAAAAAAAAAAAAAAAAAAAAAAAAAAAIQAAABgAAAAUAAAAKAUAABonAAAIFgAAWSkAABAAAAAmAAAACAAAAAAAAAAAAAAAMAAAABQAAAAAAAAAAAD//wAAAQAAAP//AAABAA=="/>
               </a:ext>
             </a:extLst>
           </p:cNvSpPr>
@@ -2135,8 +1964,9 @@
               <a:defRPr lang="ru-ru"/>
             </a:pPr>
             <a:fld id="{3BC5C07F-31D6-9036-987D-C7638E336E92}" type="datetime1">
-              <a:t>18.11.2024</a:t>
+              <a:t>20.11.2024</a:t>
             </a:fld>
+            <a:endParaRPr/>
           </a:p>
         </p:txBody>
       </p:sp>
@@ -2147,7 +1977,7 @@
             <a:spLocks noGrp="1" noChangeArrowheads="1"/>
             <a:extLst>
               <a:ext uri="smNativeData">
-                <pr:smNativeData xmlns:pr="smNativeData" xmlns="smNativeData" val="SMDATA_16_xzE7ZxMAAAAlAAAAZAAAAA0AAAAAkAAAAEgAAACQAAAASAAAAAAAAAABAAAAAAAAAAEAAABQAAAAAAAAAAAA4D8AAAAAAADgPwAAAAAAAOA/AAAAAAAA4D8AAAAAAADgPwAAAAAAAOA/AAAAAAAA4D8AAAAAAADgPwAAAAAAAOA/AAAAAAAA4D8CAAAAjAAAAAAAAAAAAAAARHLEDP///wgAAAAAAAAAAAAAAAAAAAAAAAAAAAAAAAAAAAAAZAAAAAEAAABAAAAAAAAAAAAAAAAAAAAAAAAAAAAAAAAAAAAAAAAAAAAAAAAAAAAAAAAAAAAAAAAAAAAAAAAAAAAAAAAAAAAAAAAAAAAAAAAAAAAAAAAAAAAAAAAAAAAAFAAAADwAAAAAAAAAAAAAAAAAAAkUAAAAAQAAABQAAAAUAAAAFAAAAAEAAAAAAAAAZAAAAGQAAAAAAAAAZAAAAGQAAAAVAAAAYAAAAAAAAAAAAAAADwAAACADAAAAAAAAAAAAAAEAAACgMgAAVgcAAKr4//8BAAAAf39/AAEAAABkAAAAAAAAABQAAABAHwAAAAAAACYAAAAAAAAAwOD//wAAAAAmAAAAZAAAABYAAABMAAAAAAAAAAAAAAAEAAAAAAAAAAEAAADn5uYKAAAAACgAAAAoAAAAZAAAAGQAAAAAAAAAzMzMAAAAAABQAAAAUAAAAGQAAABkAAAAAAAAABcAAAAUAAAAAAAAAAAAAAD/fwAA/38AAAAAAAAJAAAABAAAAACAAIAeAAAAaAAAAAAAAAAAAAAAAAAAAAAAAAAAAAAAECcAABAnAAAAAAAAAAAAAAAAAAAAAAAAAAAAAAAAAAAAAAAAAAAAABQAAAAAAAAAwMD/AAAAAABkAAAAMgAAAAAAAABkAAAAAAAAAH9/fwAKAAAAIgAAABgAAAAAAAAAAAAAAAAAAAAAAAAAAAAAAAAAAAAkAAAAJAAAAAAAAAAHAAAAAAAAAAAAAAAAAAAAAAAAAAAAAAAAAAAAf39/ACUAAABYAAAAAAAAAAAAAAAAAAAAAAAAAAAAAAAAAAAAAAAAAAAAAAAAAAAAAAAAAAAAAAA/AAAAAAAAAKCGAQAAAAAAAAAAAAAAAAAMAAAAAQAAAAAAAAAAAAAAAAAAAB8AAABUAAAAAAAABQAAAAEAAAAAAAAAAAAAAAAAAAAAAAAAAAAAAAAAAAAAAAAAAAAAAAJ/f38AAAAAA8zMzADAwP8Af39/AAAAAAAAAAAAAAAAAAAAAAAAAAAAIQAAABgAAAAUAAAA2BgAABonAAAoMgAAWSkAABAAAAAmAAAACAAAAAAAAAAAAAAAMAAAABQAAAAAAAAAAAD//wAAAQAAAP//AAABAA=="/>
+                <pr:smNativeData xmlns:mc="http://schemas.openxmlformats.org/markup-compatibility/2006" xmlns:p14="http://schemas.microsoft.com/office/powerpoint/2010/main" xmlns:p15="http://schemas.microsoft.com/office/powerpoint/2012/main" xmlns:pr="smNativeData" xmlns="smNativeData" val="SMDATA_16_xzE7ZxMAAAAlAAAAZAAAAA0AAAAAkAAAAEgAAACQAAAASAAAAAAAAAABAAAAAAAAAAEAAABQAAAAAAAAAAAA4D8AAAAAAADgPwAAAAAAAOA/AAAAAAAA4D8AAAAAAADgPwAAAAAAAOA/AAAAAAAA4D8AAAAAAADgPwAAAAAAAOA/AAAAAAAA4D8CAAAAjAAAAAAAAAAAAAAARHLEDP///wgAAAAAAAAAAAAAAAAAAAAAAAAAAAAAAAAAAAAAZAAAAAEAAABAAAAAAAAAAAAAAAAAAAAAAAAAAAAAAAAAAAAAAAAAAAAAAAAAAAAAAAAAAAAAAAAAAAAAAAAAAAAAAAAAAAAAAAAAAAAAAAAAAAAAAAAAAAAAAAAAAAAAFAAAADwAAAAAAAAAAAAAAAAAAAkUAAAAAQAAABQAAAAUAAAAFAAAAAEAAAAAAAAAZAAAAGQAAAAAAAAAZAAAAGQAAAAVAAAAYAAAAAAAAAAAAAAADwAAACADAAAAAAAAAAAAAAEAAACgMgAAVgcAAKr4//8BAAAAf39/AAEAAABkAAAAAAAAABQAAABAHwAAAAAAACYAAAAAAAAAwOD//wAAAAAmAAAAZAAAABYAAABMAAAAAAAAAAAAAAAEAAAAAAAAAAEAAADn5uYKAAAAACgAAAAoAAAAZAAAAGQAAAAAAAAAzMzMAAAAAABQAAAAUAAAAGQAAABkAAAAAAAAABcAAAAUAAAAAAAAAAAAAAD/fwAA/38AAAAAAAAJAAAABAAAAACAAIAeAAAAaAAAAAAAAAAAAAAAAAAAAAAAAAAAAAAAECcAABAnAAAAAAAAAAAAAAAAAAAAAAAAAAAAAAAAAAAAAAAAAAAAABQAAAAAAAAAwMD/AAAAAABkAAAAMgAAAAAAAABkAAAAAAAAAH9/fwAKAAAAIgAAABgAAAAAAAAAAAAAAAAAAAAAAAAAAAAAAAAAAAAkAAAAJAAAAAAAAAAHAAAAAAAAAAAAAAAAAAAAAAAAAAAAAAAAAAAAf39/ACUAAABYAAAAAAAAAAAAAAAAAAAAAAAAAAAAAAAAAAAAAAAAAAAAAAAAAAAAAAAAAAAAAAA/AAAAAAAAAKCGAQAAAAAAAAAAAAAAAAAMAAAAAQAAAAAAAAAAAAAAAAAAAB8AAABUAAAAAAAABQAAAAEAAAAAAAAAAAAAAAAAAAAAAAAAAAAAAAAAAAAAAAAAAAAAAAJ/f38AAAAAA8zMzADAwP8Af39/AAAAAAAAAAAAAAAAAAAAAAAAAAAAIQAAABgAAAAUAAAA2BgAABonAAAoMgAAWSkAABAAAAAmAAAACAAAAAAAAAAAAAAAMAAAABQAAAAAAAAAAAD//wAAAQAAAP//AAABAA=="/>
               </a:ext>
             </a:extLst>
           </p:cNvSpPr>
@@ -2163,6 +1993,7 @@
             <a:pPr>
               <a:defRPr lang="ru-ru"/>
             </a:pPr>
+            <a:endParaRPr/>
           </a:p>
         </p:txBody>
       </p:sp>
@@ -2173,7 +2004,7 @@
             <a:spLocks noGrp="1" noChangeArrowheads="1"/>
             <a:extLst>
               <a:ext uri="smNativeData">
-                <pr:smNativeData xmlns:pr="smNativeData" xmlns="smNativeData" val="SMDATA_16_xzE7ZxMAAAAlAAAAZAAAAA0AAAAAkAAAAEgAAACQAAAASAAAAAAAAAABAAAAAAAAAAEAAABQAAAAAAAAAAAA4D8AAAAAAADgPwAAAAAAAOA/AAAAAAAA4D8AAAAAAADgPwAAAAAAAOA/AAAAAAAA4D8AAAAAAADgPwAAAAAAAOA/AAAAAAAA4D8CAAAAjAAAAAAAAAAAAAAARHLEDP///wgAAAAAAAAAAAAAAAAAAAAAAAAAAAAAAAAAAAAAZAAAAAEAAABAAAAAAAAAAAAAAAAAAAAAAAAAAAAAAAAAAAAAAAAAAAAAAAAAAAAAAAAAAAAAAAAAAAAAAAAAAAAAAAAAAAAAAAAAAAAAAAAAAAAAAAAAAAAAAAAAAAAAFAAAADwAAAAAAAAAAAAAAAAAAAkUAAAAAQAAABQAAAAUAAAAFAAAAAEAAAAAAAAAZAAAAGQAAAAAAAAAZAAAAGQAAAAVAAAAYAAAAAAAAAAAAAAADwAAACADAAAAAAAAAAAAAAEAAACgMgAAVgcAAKr4//8BAAAAf39/AAEAAABkAAAAAAAAABQAAABAHwAAAAAAACYAAAAAAAAAwOD//wAAAAAmAAAAZAAAABYAAABMAAAAAAAAAAAAAAAEAAAAAAAAAAEAAADn5uYKAAAAACgAAAAoAAAAZAAAAGQAAAAAAAAAzMzMAAAAAABQAAAAUAAAAGQAAABkAAAAAAAAABcAAAAUAAAAAAAAAAAAAAD/fwAA/38AAAAAAAAJAAAABAAAAAAAAAAeAAAAaAAAAAAAAAAAAAAAAAAAAAAAAAAAAAAAECcAABAnAAAAAAAAAAAAAAAAAAAAAAAAAAAAAAAAAAAAAAAAAAAAABQAAAAAAAAAwMD/AAAAAABkAAAAMgAAAAAAAABkAAAAAAAAAH9/fwAKAAAAIgAAABgAAAAAAAAAAAAAAAAAAAAAAAAAAAAAAAAAAAAkAAAAJAAAAAAAAAAHAAAAAAAAAAAAAAAAAAAAAAAAAAAAAAAAAAAAf39/ACUAAABYAAAAAAAAAAAAAAAAAAAAAAAAAAAAAAAAAAAAAAAAAAAAAAAAAAAAAAAAAAAAAAA/AAAAAAAAAKCGAQAAAAAAAAAAAAAAAAAMAAAAAQAAAAAAAAAAAAAAAAAAAB8AAABUAAAAAAAABQAAAAEAAAAAAAAAAAAAAAAAAAAAAAAAAAAAAAAAAAAAAAAAAAAAAAJ/f38AAAAAA8zMzADAwP8Af39/AAAAAAAAAAAAAAAAAAAAAAAAAAAAIQAAABgAAAAUAAAA+DQAABonAADYRQAAWSkAABAAAAAmAAAACAAAAAAAAAAAAAAAMAAAABQAAAAAAAAAAAD//wAAAQAAAP//AAABAA=="/>
+                <pr:smNativeData xmlns:mc="http://schemas.openxmlformats.org/markup-compatibility/2006" xmlns:p14="http://schemas.microsoft.com/office/powerpoint/2010/main" xmlns:p15="http://schemas.microsoft.com/office/powerpoint/2012/main" xmlns:pr="smNativeData" xmlns="smNativeData" val="SMDATA_16_xzE7ZxMAAAAlAAAAZAAAAA0AAAAAkAAAAEgAAACQAAAASAAAAAAAAAABAAAAAAAAAAEAAABQAAAAAAAAAAAA4D8AAAAAAADgPwAAAAAAAOA/AAAAAAAA4D8AAAAAAADgPwAAAAAAAOA/AAAAAAAA4D8AAAAAAADgPwAAAAAAAOA/AAAAAAAA4D8CAAAAjAAAAAAAAAAAAAAARHLEDP///wgAAAAAAAAAAAAAAAAAAAAAAAAAAAAAAAAAAAAAZAAAAAEAAABAAAAAAAAAAAAAAAAAAAAAAAAAAAAAAAAAAAAAAAAAAAAAAAAAAAAAAAAAAAAAAAAAAAAAAAAAAAAAAAAAAAAAAAAAAAAAAAAAAAAAAAAAAAAAAAAAAAAAFAAAADwAAAAAAAAAAAAAAAAAAAkUAAAAAQAAABQAAAAUAAAAFAAAAAEAAAAAAAAAZAAAAGQAAAAAAAAAZAAAAGQAAAAVAAAAYAAAAAAAAAAAAAAADwAAACADAAAAAAAAAAAAAAEAAACgMgAAVgcAAKr4//8BAAAAf39/AAEAAABkAAAAAAAAABQAAABAHwAAAAAAACYAAAAAAAAAwOD//wAAAAAmAAAAZAAAABYAAABMAAAAAAAAAAAAAAAEAAAAAAAAAAEAAADn5uYKAAAAACgAAAAoAAAAZAAAAGQAAAAAAAAAzMzMAAAAAABQAAAAUAAAAGQAAABkAAAAAAAAABcAAAAUAAAAAAAAAAAAAAD/fwAA/38AAAAAAAAJAAAABAAAAAAAAAAeAAAAaAAAAAAAAAAAAAAAAAAAAAAAAAAAAAAAECcAABAnAAAAAAAAAAAAAAAAAAAAAAAAAAAAAAAAAAAAAAAAAAAAABQAAAAAAAAAwMD/AAAAAABkAAAAMgAAAAAAAABkAAAAAAAAAH9/fwAKAAAAIgAAABgAAAAAAAAAAAAAAAAAAAAAAAAAAAAAAAAAAAAkAAAAJAAAAAAAAAAHAAAAAAAAAAAAAAAAAAAAAAAAAAAAAAAAAAAAf39/ACUAAABYAAAAAAAAAAAAAAAAAAAAAAAAAAAAAAAAAAAAAAAAAAAAAAAAAAAAAAAAAAAAAAA/AAAAAAAAAKCGAQAAAAAAAAAAAAAAAAAMAAAAAQAAAAAAAAAAAAAAAAAAAB8AAABUAAAAAAAABQAAAAEAAAAAAAAAAAAAAAAAAAAAAAAAAAAAAAAAAAAAAAAAAAAAAAJ/f38AAAAAA8zMzADAwP8Af39/AAAAAAAAAAAAAAAAAAAAAAAAAAAAIQAAABgAAAAUAAAA+DQAABonAADYRQAAWSkAABAAAAAmAAAACAAAAAAAAAAAAAAAMAAAABQAAAAAAAAAAAD//wAAAQAAAP//AAABAA=="/>
               </a:ext>
             </a:extLst>
           </p:cNvSpPr>
@@ -2192,6 +2023,7 @@
             <a:fld id="{3BC5ECAA-E4D6-901A-987D-124FA2336E47}" type="slidenum">
               <a:t>‹#›</a:t>
             </a:fld>
+            <a:endParaRPr/>
           </a:p>
         </p:txBody>
       </p:sp>
@@ -2205,7 +2037,7 @@
 </file>
 
 <file path=ppt/slideLayouts/slideLayout2.xml><?xml version="1.0" encoding="utf-8"?>
-<p:sldLayout xmlns:p="http://schemas.openxmlformats.org/presentationml/2006/main" xmlns:mc="http://schemas.openxmlformats.org/markup-compatibility/2006" xmlns:p14="http://schemas.microsoft.com/office/powerpoint/2010/main" xmlns:p15="http://schemas.microsoft.com/office/powerpoint/2012/main" xmlns:r="http://schemas.openxmlformats.org/officeDocument/2006/relationships" xmlns:a="http://schemas.openxmlformats.org/drawingml/2006/main" type="obj" preserve="1">
+<p:sldLayout xmlns:a="http://schemas.openxmlformats.org/drawingml/2006/main" xmlns:r="http://schemas.openxmlformats.org/officeDocument/2006/relationships" xmlns:p="http://schemas.openxmlformats.org/presentationml/2006/main" type="obj" preserve="1">
   <p:cSld name="Заголовок и объект">
     <p:spTree>
       <p:nvGrpSpPr>
@@ -2228,7 +2060,7 @@
             <a:spLocks noGrp="1" noChangeArrowheads="1"/>
             <a:extLst>
               <a:ext uri="smNativeData">
-                <pr:smNativeData xmlns:pr="smNativeData" xmlns="smNativeData" val="SMDATA_16_xzE7ZxMAAAAlAAAAZAAAAA0AAAAAkAAAAEgAAACQAAAASAAAAAAAAAABAAAAAAAAAAEAAABQAAAAAAAAAAAA4D8AAAAAAADgPwAAAAAAAOA/AAAAAAAA4D8AAAAAAADgPwAAAAAAAOA/AAAAAAAA4D8AAAAAAADgPwAAAAAAAOA/AAAAAAAA4D8CAAAAjAAAAAAAAAAAAAAARHLEDP///wgAAAAAAAAAAAAAAAAAAAAAAAAAAAAAAAAAAAAAZAAAAAEAAABAAAAAAAAAAAAAAAAAAAAAAAAAAAAAAAAAAAAAAAAAAAAAAAAAAAAAAAAAAAAAAAAAAAAAAAAAAAAAAAAAAAAAAAAAAAAAAAAAAAAAAAAAAAAAAAAAAAAAFAAAADwAAAAAAAAAAAAAAAAAAAkUAAAAAQAAABQAAAAUAAAAFAAAAAEAAAAAAAAAZAAAAGQAAAAAAAAAZAAAAGQAAAAVAAAAYAAAAAAAAAAAAAAADwAAACADAAAAAAAAAAAAAAEAAACgMgAAVgcAAKr4//8BAAAAf39/AAEAAABkAAAAAAAAABQAAABAHwAAAAAAACYAAAAAAAAAwOD//wAAAAAmAAAAZAAAABYAAABMAAAAAAAAAAAAAAAEAAAAAAAAAAEAAADn5uYKAAAAACgAAAAoAAAAZAAAAGQAAAAAAAAAzMzMAAAAAABQAAAAUAAAAGQAAABkAAAAAAAAABcAAAAUAAAAAAAAAAAAAAD/fwAA/38AAAAAAAAJAAAABAAAAAAAAAAeAAAAaAAAAAAAAAAAAAAAAAAAAAAAAAAAAAAAECcAABAnAAAAAAAAAAAAAAAAAAAAAAAAAAAAAAAAAAAAAAAAAAAAABQAAAAAAAAAwMD/AAAAAABkAAAAMgAAAAAAAABkAAAAAAAAAH9/fwAKAAAAIgAAABgAAAAAAAAAAAAAAAAAAAAAAAAAAAAAAAAAAAAkAAAAJAAAAAAAAAAHAAAAAAAAAAAAAAAAAAAAAAAAAAAAAAAAAAAAf39/ACUAAABYAAAAAAAAAAAAAAAAAAAAAAAAAAAAAAAAAAAAAAAAAAAAAAAAAAAAAAAAAAAAAAA/AAAAAAAAAKCGAQAAAAAAAAAAAAAAAAAMAAAAAQAAAAAAAAAAAAAAAAAAAB8AAABUAAAAAAAABQAAAAEAAAAAAAAAAAAAAAAAAAAAAAAAAAAAAAAAAAAAAAAAAAAAAAJ/f38AAAAAA8zMzADAwP8Af39/AAAAAAAAAAAAAAAAAAAAAAAAAAAAIQAAABgAAAAUAAAAKAUAAD8CAADYRQAAZwoAABAAAAAmAAAACAAAAAAAAAAAAAAAMAAAABQAAAAAAAAAAAD//wAAAQAAAP//AAABAA=="/>
+                <pr:smNativeData xmlns:mc="http://schemas.openxmlformats.org/markup-compatibility/2006" xmlns:p14="http://schemas.microsoft.com/office/powerpoint/2010/main" xmlns:p15="http://schemas.microsoft.com/office/powerpoint/2012/main" xmlns:pr="smNativeData" xmlns="smNativeData" val="SMDATA_16_xzE7ZxMAAAAlAAAAZAAAAA0AAAAAkAAAAEgAAACQAAAASAAAAAAAAAABAAAAAAAAAAEAAABQAAAAAAAAAAAA4D8AAAAAAADgPwAAAAAAAOA/AAAAAAAA4D8AAAAAAADgPwAAAAAAAOA/AAAAAAAA4D8AAAAAAADgPwAAAAAAAOA/AAAAAAAA4D8CAAAAjAAAAAAAAAAAAAAARHLEDP///wgAAAAAAAAAAAAAAAAAAAAAAAAAAAAAAAAAAAAAZAAAAAEAAABAAAAAAAAAAAAAAAAAAAAAAAAAAAAAAAAAAAAAAAAAAAAAAAAAAAAAAAAAAAAAAAAAAAAAAAAAAAAAAAAAAAAAAAAAAAAAAAAAAAAAAAAAAAAAAAAAAAAAFAAAADwAAAAAAAAAAAAAAAAAAAkUAAAAAQAAABQAAAAUAAAAFAAAAAEAAAAAAAAAZAAAAGQAAAAAAAAAZAAAAGQAAAAVAAAAYAAAAAAAAAAAAAAADwAAACADAAAAAAAAAAAAAAEAAACgMgAAVgcAAKr4//8BAAAAf39/AAEAAABkAAAAAAAAABQAAABAHwAAAAAAACYAAAAAAAAAwOD//wAAAAAmAAAAZAAAABYAAABMAAAAAAAAAAAAAAAEAAAAAAAAAAEAAADn5uYKAAAAACgAAAAoAAAAZAAAAGQAAAAAAAAAzMzMAAAAAABQAAAAUAAAAGQAAABkAAAAAAAAABcAAAAUAAAAAAAAAAAAAAD/fwAA/38AAAAAAAAJAAAABAAAAAAAAAAeAAAAaAAAAAAAAAAAAAAAAAAAAAAAAAAAAAAAECcAABAnAAAAAAAAAAAAAAAAAAAAAAAAAAAAAAAAAAAAAAAAAAAAABQAAAAAAAAAwMD/AAAAAABkAAAAMgAAAAAAAABkAAAAAAAAAH9/fwAKAAAAIgAAABgAAAAAAAAAAAAAAAAAAAAAAAAAAAAAAAAAAAAkAAAAJAAAAAAAAAAHAAAAAAAAAAAAAAAAAAAAAAAAAAAAAAAAAAAAf39/ACUAAABYAAAAAAAAAAAAAAAAAAAAAAAAAAAAAAAAAAAAAAAAAAAAAAAAAAAAAAAAAAAAAAA/AAAAAAAAAKCGAQAAAAAAAAAAAAAAAAAMAAAAAQAAAAAAAAAAAAAAAAAAAB8AAABUAAAAAAAABQAAAAEAAAAAAAAAAAAAAAAAAAAAAAAAAAAAAAAAAAAAAAAAAAAAAAJ/f38AAAAAA8zMzADAwP8Af39/AAAAAAAAAAAAAAAAAAAAAAAAAAAAIQAAABgAAAAUAAAAKAUAAD8CAADYRQAAZwoAABAAAAAmAAAACAAAAAAAAAAAAAAAMAAAABQAAAAAAAAAAAD//wAAAQAAAP//AAABAA=="/>
               </a:ext>
             </a:extLst>
           </p:cNvSpPr>
@@ -2257,7 +2089,7 @@
             <a:spLocks noGrp="1" noChangeArrowheads="1"/>
             <a:extLst>
               <a:ext uri="smNativeData">
-                <pr:smNativeData xmlns:pr="smNativeData" xmlns="smNativeData" val="SMDATA_16_xzE7ZxMAAAAlAAAAZAAAAA0AAAAAkAAAAEgAAACQAAAASAAAAAAAAAAAAAAAAAAAAAEAAABQAAAAAAAAAAAA4D8AAAAAAADgPwAAAAAAAOA/AAAAAAAA4D8AAAAAAADgPwAAAAAAAOA/AAAAAAAA4D8AAAAAAADgPwAAAAAAAOA/AAAAAAAA4D8CAAAAjAAAAAAAAAAAAAAARHLEDP///wgAAAAAAAAAAAAAAAAAAAAAAAAAAAAAAAAAAAAAZAAAAAEAAABAAAAAAAAAAAAAAAAAAAAAAAAAAAAAAAAAAAAAAAAAAAAAAAAAAAAAAAAAAAAAAAAAAAAAAAAAAAAAAAAAAAAAAAAAAAAAAAAAAAAAAAAAAAAAAAAAAAAAFAAAADwAAAAAAAAAAAAAAAAAAAkUAAAAAQAAABQAAAAUAAAAFAAAAAEAAAAAAAAAZAAAAGQAAAAAAAAAZAAAAGQAAAAVAAAAYAAAAAAAAAAAAAAADwAAACADAAAAAAAAAAAAAAEAAACgMgAAVgcAAKr4//8BAAAAf39/AAEAAABkAAAAAAAAABQAAABAHwAAAAAAACYAAAAAAAAAwOD//wAAAAAmAAAAZAAAABYAAABMAAAAAAAAAAAAAAAEAAAAAAAAAAEAAADn5uYKAAAAACgAAAAoAAAAZAAAAGQAAAAAAAAAzMzMAAAAAABQAAAAUAAAAGQAAABkAAAAAAAAABcAAAAUAAAAAAAAAAAAAAD/fwAA/38AAAAAAAAJAAAABAAAANBJKLceAAAAaAAAAAAAAAAAAAAAAAAAAAAAAAAAAAAAECcAABAnAAAAAAAAAAAAAAAAAAAAAAAAAAAAAAAAAAAAAAAAAAAAABQAAAAAAAAAwMD/AAAAAABkAAAAMgAAAAAAAABkAAAAAAAAAH9/fwAKAAAAIgAAABgAAAAAAAAAAAAAAAAAAAAAAAAAAAAAAAAAAAAkAAAAJAAAAAAAAAAHAAAAAAAAAAAAAAAAAAAAAAAAAAAAAAAAAAAAf39/ACUAAABYAAAAAAAAAAAAAAAAAAAAAAAAAAAAAAAAAAAAAAAAAAAAAAAAAAAAAAAAAAAAAAA/AAAAAAAAAKCGAQAAAAAAAAAAAAAAAAAMAAAAAQAAAAAAAAAAAAAAAAAAAB8AAABUAAAAAAAABQAAAAEAAAAAAAAAAAAAAAAAAAAAAAAAAAAAAAAAAAAAAAAAAAAAAAJ/f38AAAAAA8zMzADAwP8Af39/AAAAAAAAAAAAAAAAAAAAAAAAAAAAIQAAABgAAAAUAAAAKAUAADsLAADYRQAAACYAABAAAAAmAAAACAAAAAAAAAAAAAAAMAAAABQAAAAAAAAAAAD//wAAAQAAAP//AAABAA=="/>
+                <pr:smNativeData xmlns:mc="http://schemas.openxmlformats.org/markup-compatibility/2006" xmlns:p14="http://schemas.microsoft.com/office/powerpoint/2010/main" xmlns:p15="http://schemas.microsoft.com/office/powerpoint/2012/main" xmlns:pr="smNativeData" xmlns="smNativeData" val="SMDATA_16_xzE7ZxMAAAAlAAAAZAAAAA0AAAAAkAAAAEgAAACQAAAASAAAAAAAAAAAAAAAAAAAAAEAAABQAAAAAAAAAAAA4D8AAAAAAADgPwAAAAAAAOA/AAAAAAAA4D8AAAAAAADgPwAAAAAAAOA/AAAAAAAA4D8AAAAAAADgPwAAAAAAAOA/AAAAAAAA4D8CAAAAjAAAAAAAAAAAAAAARHLEDP///wgAAAAAAAAAAAAAAAAAAAAAAAAAAAAAAAAAAAAAZAAAAAEAAABAAAAAAAAAAAAAAAAAAAAAAAAAAAAAAAAAAAAAAAAAAAAAAAAAAAAAAAAAAAAAAAAAAAAAAAAAAAAAAAAAAAAAAAAAAAAAAAAAAAAAAAAAAAAAAAAAAAAAFAAAADwAAAAAAAAAAAAAAAAAAAkUAAAAAQAAABQAAAAUAAAAFAAAAAEAAAAAAAAAZAAAAGQAAAAAAAAAZAAAAGQAAAAVAAAAYAAAAAAAAAAAAAAADwAAACADAAAAAAAAAAAAAAEAAACgMgAAVgcAAKr4//8BAAAAf39/AAEAAABkAAAAAAAAABQAAABAHwAAAAAAACYAAAAAAAAAwOD//wAAAAAmAAAAZAAAABYAAABMAAAAAAAAAAAAAAAEAAAAAAAAAAEAAADn5uYKAAAAACgAAAAoAAAAZAAAAGQAAAAAAAAAzMzMAAAAAABQAAAAUAAAAGQAAABkAAAAAAAAABcAAAAUAAAAAAAAAAAAAAD/fwAA/38AAAAAAAAJAAAABAAAANBJKLceAAAAaAAAAAAAAAAAAAAAAAAAAAAAAAAAAAAAECcAABAnAAAAAAAAAAAAAAAAAAAAAAAAAAAAAAAAAAAAAAAAAAAAABQAAAAAAAAAwMD/AAAAAABkAAAAMgAAAAAAAABkAAAAAAAAAH9/fwAKAAAAIgAAABgAAAAAAAAAAAAAAAAAAAAAAAAAAAAAAAAAAAAkAAAAJAAAAAAAAAAHAAAAAAAAAAAAAAAAAAAAAAAAAAAAAAAAAAAAf39/ACUAAABYAAAAAAAAAAAAAAAAAAAAAAAAAAAAAAAAAAAAAAAAAAAAAAAAAAAAAAAAAAAAAAA/AAAAAAAAAKCGAQAAAAAAAAAAAAAAAAAMAAAAAQAAAAAAAAAAAAAAAAAAAB8AAABUAAAAAAAABQAAAAEAAAAAAAAAAAAAAAAAAAAAAAAAAAAAAAAAAAAAAAAAAAAAAAJ/f38AAAAAA8zMzADAwP8Af39/AAAAAAAAAAAAAAAAAAAAAAAAAAAAIQAAABgAAAAUAAAAKAUAADsLAADYRQAAACYAABAAAAAmAAAACAAAAAAAAAAAAAAAMAAAABQAAAAAAAAAAAD//wAAAQAAAP//AAABAA=="/>
               </a:ext>
             </a:extLst>
           </p:cNvSpPr>
@@ -2318,7 +2150,7 @@
             <a:spLocks noGrp="1" noChangeArrowheads="1"/>
             <a:extLst>
               <a:ext uri="smNativeData">
-                <pr:smNativeData xmlns:pr="smNativeData" xmlns="smNativeData" val="SMDATA_16_xzE7ZxMAAAAlAAAAZAAAAA0AAAAAkAAAAEgAAACQAAAASAAAAAAAAAABAAAAAAAAAAEAAABQAAAAAAAAAAAA4D8AAAAAAADgPwAAAAAAAOA/AAAAAAAA4D8AAAAAAADgPwAAAAAAAOA/AAAAAAAA4D8AAAAAAADgPwAAAAAAAOA/AAAAAAAA4D8CAAAAjAAAAAAAAAAAAAAARHLEDP///wgAAAAAAAAAAAAAAAAAAAAAAAAAAAAAAAAAAAAAZAAAAAEAAABAAAAAAAAAAAAAAAAAAAAAAAAAAAAAAAAAAAAAAAAAAAAAAAAAAAAAAAAAAAAAAAAAAAAAAAAAAAAAAAAAAAAAAAAAAAAAAAAAAAAAAAAAAAAAAAAAAAAAFAAAADwAAAAAAAAAAAAAAAAAAAkUAAAAAQAAABQAAAAUAAAAFAAAAAEAAAAAAAAAZAAAAGQAAAAAAAAAZAAAAGQAAAAVAAAAYAAAAAAAAAAAAAAADwAAACADAAAAAAAAAAAAAAEAAACgMgAAVgcAAKr4//8BAAAAf39/AAEAAABkAAAAAAAAABQAAABAHwAAAAAAACYAAAAAAAAAwOD//wAAAAAmAAAAZAAAABYAAABMAAAAAAAAAAAAAAAEAAAAAAAAAAEAAADn5uYKAAAAACgAAAAoAAAAZAAAAGQAAAAAAAAAzMzMAAAAAABQAAAAUAAAAGQAAABkAAAAAAAAABcAAAAUAAAAAAAAAAAAAAD/fwAA/38AAAAAAAAJAAAABAAAAAAAAAAeAAAAaAAAAAAAAAAAAAAAAAAAAAAAAAAAAAAAECcAABAnAAAAAAAAAAAAAAAAAAAAAAAAAAAAAAAAAAAAAAAAAAAAABQAAAAAAAAAwMD/AAAAAABkAAAAMgAAAAAAAABkAAAAAAAAAH9/fwAKAAAAIgAAABgAAAAAAAAAAAAAAAAAAAAAAAAAAAAAAAAAAAAkAAAAJAAAAAAAAAAHAAAAAAAAAAAAAAAAAAAAAAAAAAAAAAAAAAAAf39/ACUAAABYAAAAAAAAAAAAAAAAAAAAAAAAAAAAAAAAAAAAAAAAAAAAAAAAAAAAAAAAAAAAAAA/AAAAAAAAAKCGAQAAAAAAAAAAAAAAAAAMAAAAAQAAAAAAAAAAAAAAAAAAAB8AAABUAAAAAAAABQAAAAEAAAAAAAAAAAAAAAAAAAAAAAAAAAAAAAAAAAAAAAAAAAAAAAJ/f38AAAAAA8zMzADAwP8Af39/AAAAAAAAAAAAAAAAAAAAAAAAAAAAIQAAABgAAAAUAAAAKAUAABonAAAIFgAAWSkAABAAAAAmAAAACAAAAAAAAAAAAAAAMAAAABQAAAAAAAAAAAD//wAAAQAAAP//AAABAA=="/>
+                <pr:smNativeData xmlns:mc="http://schemas.openxmlformats.org/markup-compatibility/2006" xmlns:p14="http://schemas.microsoft.com/office/powerpoint/2010/main" xmlns:p15="http://schemas.microsoft.com/office/powerpoint/2012/main" xmlns:pr="smNativeData" xmlns="smNativeData" val="SMDATA_16_xzE7ZxMAAAAlAAAAZAAAAA0AAAAAkAAAAEgAAACQAAAASAAAAAAAAAABAAAAAAAAAAEAAABQAAAAAAAAAAAA4D8AAAAAAADgPwAAAAAAAOA/AAAAAAAA4D8AAAAAAADgPwAAAAAAAOA/AAAAAAAA4D8AAAAAAADgPwAAAAAAAOA/AAAAAAAA4D8CAAAAjAAAAAAAAAAAAAAARHLEDP///wgAAAAAAAAAAAAAAAAAAAAAAAAAAAAAAAAAAAAAZAAAAAEAAABAAAAAAAAAAAAAAAAAAAAAAAAAAAAAAAAAAAAAAAAAAAAAAAAAAAAAAAAAAAAAAAAAAAAAAAAAAAAAAAAAAAAAAAAAAAAAAAAAAAAAAAAAAAAAAAAAAAAAFAAAADwAAAAAAAAAAAAAAAAAAAkUAAAAAQAAABQAAAAUAAAAFAAAAAEAAAAAAAAAZAAAAGQAAAAAAAAAZAAAAGQAAAAVAAAAYAAAAAAAAAAAAAAADwAAACADAAAAAAAAAAAAAAEAAACgMgAAVgcAAKr4//8BAAAAf39/AAEAAABkAAAAAAAAABQAAABAHwAAAAAAACYAAAAAAAAAwOD//wAAAAAmAAAAZAAAABYAAABMAAAAAAAAAAAAAAAEAAAAAAAAAAEAAADn5uYKAAAAACgAAAAoAAAAZAAAAGQAAAAAAAAAzMzMAAAAAABQAAAAUAAAAGQAAABkAAAAAAAAABcAAAAUAAAAAAAAAAAAAAD/fwAA/38AAAAAAAAJAAAABAAAAAAAAAAeAAAAaAAAAAAAAAAAAAAAAAAAAAAAAAAAAAAAECcAABAnAAAAAAAAAAAAAAAAAAAAAAAAAAAAAAAAAAAAAAAAAAAAABQAAAAAAAAAwMD/AAAAAABkAAAAMgAAAAAAAABkAAAAAAAAAH9/fwAKAAAAIgAAABgAAAAAAAAAAAAAAAAAAAAAAAAAAAAAAAAAAAAkAAAAJAAAAAAAAAAHAAAAAAAAAAAAAAAAAAAAAAAAAAAAAAAAAAAAf39/ACUAAABYAAAAAAAAAAAAAAAAAAAAAAAAAAAAAAAAAAAAAAAAAAAAAAAAAAAAAAAAAAAAAAA/AAAAAAAAAKCGAQAAAAAAAAAAAAAAAAAMAAAAAQAAAAAAAAAAAAAAAAAAAB8AAABUAAAAAAAABQAAAAEAAAAAAAAAAAAAAAAAAAAAAAAAAAAAAAAAAAAAAAAAAAAAAAJ/f38AAAAAA8zMzADAwP8Af39/AAAAAAAAAAAAAAAAAAAAAAAAAAAAIQAAABgAAAAUAAAAKAUAABonAAAIFgAAWSkAABAAAAAmAAAACAAAAAAAAAAAAAAAMAAAABQAAAAAAAAAAAD//wAAAQAAAP//AAABAA=="/>
               </a:ext>
             </a:extLst>
           </p:cNvSpPr>
@@ -2335,8 +2167,9 @@
               <a:defRPr lang="ru-ru"/>
             </a:pPr>
             <a:fld id="{3BC5F897-D9D6-900E-987D-2F5BB6336E7A}" type="datetime1">
-              <a:t/>
+              <a:t>20.11.2024</a:t>
             </a:fld>
+            <a:endParaRPr/>
           </a:p>
         </p:txBody>
       </p:sp>
@@ -2347,7 +2180,7 @@
             <a:spLocks noGrp="1" noChangeArrowheads="1"/>
             <a:extLst>
               <a:ext uri="smNativeData">
-                <pr:smNativeData xmlns:pr="smNativeData" xmlns="smNativeData" val="SMDATA_16_xzE7ZxMAAAAlAAAAZAAAAA0AAAAAkAAAAEgAAACQAAAASAAAAAAAAAABAAAAAAAAAAEAAABQAAAAAAAAAAAA4D8AAAAAAADgPwAAAAAAAOA/AAAAAAAA4D8AAAAAAADgPwAAAAAAAOA/AAAAAAAA4D8AAAAAAADgPwAAAAAAAOA/AAAAAAAA4D8CAAAAjAAAAAAAAAAAAAAARHLEDP///wgAAAAAAAAAAAAAAAAAAAAAAAAAAAAAAAAAAAAAZAAAAAEAAABAAAAAAAAAAAAAAAAAAAAAAAAAAAAAAAAAAAAAAAAAAAAAAAAAAAAAAAAAAAAAAAAAAAAAAAAAAAAAAAAAAAAAAAAAAAAAAAAAAAAAAAAAAAAAAAAAAAAAFAAAADwAAAAAAAAAAAAAAAAAAAkUAAAAAQAAABQAAAAUAAAAFAAAAAEAAAAAAAAAZAAAAGQAAAAAAAAAZAAAAGQAAAAVAAAAYAAAAAAAAAAAAAAADwAAACADAAAAAAAAAAAAAAEAAACgMgAAVgcAAKr4//8BAAAAf39/AAEAAABkAAAAAAAAABQAAABAHwAAAAAAACYAAAAAAAAAwOD//wAAAAAmAAAAZAAAABYAAABMAAAAAAAAAAAAAAAEAAAAAAAAAAEAAADn5uYKAAAAACgAAAAoAAAAZAAAAGQAAAAAAAAAzMzMAAAAAABQAAAAUAAAAGQAAABkAAAAAAAAABcAAAAUAAAAAAAAAAAAAAD/fwAA/38AAAAAAAAJAAAABAAAAGwAZQAeAAAAaAAAAAAAAAAAAAAAAAAAAAAAAAAAAAAAECcAABAnAAAAAAAAAAAAAAAAAAAAAAAAAAAAAAAAAAAAAAAAAAAAABQAAAAAAAAAwMD/AAAAAABkAAAAMgAAAAAAAABkAAAAAAAAAH9/fwAKAAAAIgAAABgAAAAAAAAAAAAAAAAAAAAAAAAAAAAAAAAAAAAkAAAAJAAAAAAAAAAHAAAAAAAAAAAAAAAAAAAAAAAAAAAAAAAAAAAAf39/ACUAAABYAAAAAAAAAAAAAAAAAAAAAAAAAAAAAAAAAAAAAAAAAAAAAAAAAAAAAAAAAAAAAAA/AAAAAAAAAKCGAQAAAAAAAAAAAAAAAAAMAAAAAQAAAAAAAAAAAAAAAAAAAB8AAABUAAAAAAAABQAAAAEAAAAAAAAAAAAAAAAAAAAAAAAAAAAAAAAAAAAAAAAAAAAAAAJ/f38AAAAAA8zMzADAwP8Af39/AAAAAAAAAAAAAAAAAAAAAAAAAAAAIQAAABgAAAAUAAAA2BgAABonAAAoMgAAWSkAABAAAAAmAAAACAAAAAAAAAAAAAAAMAAAABQAAAAAAAAAAAD//wAAAQAAAP//AAABAA=="/>
+                <pr:smNativeData xmlns:mc="http://schemas.openxmlformats.org/markup-compatibility/2006" xmlns:p14="http://schemas.microsoft.com/office/powerpoint/2010/main" xmlns:p15="http://schemas.microsoft.com/office/powerpoint/2012/main" xmlns:pr="smNativeData" xmlns="smNativeData" val="SMDATA_16_xzE7ZxMAAAAlAAAAZAAAAA0AAAAAkAAAAEgAAACQAAAASAAAAAAAAAABAAAAAAAAAAEAAABQAAAAAAAAAAAA4D8AAAAAAADgPwAAAAAAAOA/AAAAAAAA4D8AAAAAAADgPwAAAAAAAOA/AAAAAAAA4D8AAAAAAADgPwAAAAAAAOA/AAAAAAAA4D8CAAAAjAAAAAAAAAAAAAAARHLEDP///wgAAAAAAAAAAAAAAAAAAAAAAAAAAAAAAAAAAAAAZAAAAAEAAABAAAAAAAAAAAAAAAAAAAAAAAAAAAAAAAAAAAAAAAAAAAAAAAAAAAAAAAAAAAAAAAAAAAAAAAAAAAAAAAAAAAAAAAAAAAAAAAAAAAAAAAAAAAAAAAAAAAAAFAAAADwAAAAAAAAAAAAAAAAAAAkUAAAAAQAAABQAAAAUAAAAFAAAAAEAAAAAAAAAZAAAAGQAAAAAAAAAZAAAAGQAAAAVAAAAYAAAAAAAAAAAAAAADwAAACADAAAAAAAAAAAAAAEAAACgMgAAVgcAAKr4//8BAAAAf39/AAEAAABkAAAAAAAAABQAAABAHwAAAAAAACYAAAAAAAAAwOD//wAAAAAmAAAAZAAAABYAAABMAAAAAAAAAAAAAAAEAAAAAAAAAAEAAADn5uYKAAAAACgAAAAoAAAAZAAAAGQAAAAAAAAAzMzMAAAAAABQAAAAUAAAAGQAAABkAAAAAAAAABcAAAAUAAAAAAAAAAAAAAD/fwAA/38AAAAAAAAJAAAABAAAAGwAZQAeAAAAaAAAAAAAAAAAAAAAAAAAAAAAAAAAAAAAECcAABAnAAAAAAAAAAAAAAAAAAAAAAAAAAAAAAAAAAAAAAAAAAAAABQAAAAAAAAAwMD/AAAAAABkAAAAMgAAAAAAAABkAAAAAAAAAH9/fwAKAAAAIgAAABgAAAAAAAAAAAAAAAAAAAAAAAAAAAAAAAAAAAAkAAAAJAAAAAAAAAAHAAAAAAAAAAAAAAAAAAAAAAAAAAAAAAAAAAAAf39/ACUAAABYAAAAAAAAAAAAAAAAAAAAAAAAAAAAAAAAAAAAAAAAAAAAAAAAAAAAAAAAAAAAAAA/AAAAAAAAAKCGAQAAAAAAAAAAAAAAAAAMAAAAAQAAAAAAAAAAAAAAAAAAAB8AAABUAAAAAAAABQAAAAEAAAAAAAAAAAAAAAAAAAAAAAAAAAAAAAAAAAAAAAAAAAAAAAJ/f38AAAAAA8zMzADAwP8Af39/AAAAAAAAAAAAAAAAAAAAAAAAAAAAIQAAABgAAAAUAAAA2BgAABonAAAoMgAAWSkAABAAAAAmAAAACAAAAAAAAAAAAAAAMAAAABQAAAAAAAAAAAD//wAAAQAAAP//AAABAA=="/>
               </a:ext>
             </a:extLst>
           </p:cNvSpPr>
@@ -2363,6 +2196,7 @@
             <a:pPr>
               <a:defRPr lang="ru-ru"/>
             </a:pPr>
+            <a:endParaRPr/>
           </a:p>
         </p:txBody>
       </p:sp>
@@ -2373,7 +2207,7 @@
             <a:spLocks noGrp="1" noChangeArrowheads="1"/>
             <a:extLst>
               <a:ext uri="smNativeData">
-                <pr:smNativeData xmlns:pr="smNativeData" xmlns="smNativeData" val="SMDATA_16_xzE7ZxMAAAAlAAAAZAAAAA0AAAAAkAAAAEgAAACQAAAASAAAAAAAAAABAAAAAAAAAAEAAABQAAAAAAAAAAAA4D8AAAAAAADgPwAAAAAAAOA/AAAAAAAA4D8AAAAAAADgPwAAAAAAAOA/AAAAAAAA4D8AAAAAAADgPwAAAAAAAOA/AAAAAAAA4D8CAAAAjAAAAAAAAAAAAAAARHLEDP///wgAAAAAAAAAAAAAAAAAAAAAAAAAAAAAAAAAAAAAZAAAAAEAAABAAAAAAAAAAAAAAAAAAAAAAAAAAAAAAAAAAAAAAAAAAAAAAAAAAAAAAAAAAAAAAAAAAAAAAAAAAAAAAAAAAAAAAAAAAAAAAAAAAAAAAAAAAAAAAAAAAAAAFAAAADwAAAAAAAAAAAAAAAAAAAkUAAAAAQAAABQAAAAUAAAAFAAAAAEAAAAAAAAAZAAAAGQAAAAAAAAAZAAAAGQAAAAVAAAAYAAAAAAAAAAAAAAADwAAACADAAAAAAAAAAAAAAEAAACgMgAAVgcAAKr4//8BAAAAf39/AAEAAABkAAAAAAAAABQAAABAHwAAAAAAACYAAAAAAAAAwOD//wAAAAAmAAAAZAAAABYAAABMAAAAAAAAAAAAAAAEAAAAAAAAAAEAAADn5uYKAAAAACgAAAAoAAAAZAAAAGQAAAAAAAAAzMzMAAAAAABQAAAAUAAAAGQAAABkAAAAAAAAABcAAAAUAAAAAAAAAAAAAAD/fwAA/38AAAAAAAAJAAAABAAAAAAAAAAeAAAAaAAAAAAAAAAAAAAAAAAAAAAAAAAAAAAAECcAABAnAAAAAAAAAAAAAAAAAAAAAAAAAAAAAAAAAAAAAAAAAAAAABQAAAAAAAAAwMD/AAAAAABkAAAAMgAAAAAAAABkAAAAAAAAAH9/fwAKAAAAIgAAABgAAAAAAAAAAAAAAAAAAAAAAAAAAAAAAAAAAAAkAAAAJAAAAAAAAAAHAAAAAAAAAAAAAAAAAAAAAAAAAAAAAAAAAAAAf39/ACUAAABYAAAAAAAAAAAAAAAAAAAAAAAAAAAAAAAAAAAAAAAAAAAAAAAAAAAAAAAAAAAAAAA/AAAAAAAAAKCGAQAAAAAAAAAAAAAAAAAMAAAAAQAAAAAAAAAAAAAAAAAAAB8AAABUAAAAAAAABQAAAAEAAAAAAAAAAAAAAAAAAAAAAAAAAAAAAAAAAAAAAAAAAAAAAAJ/f38AAAAAA8zMzADAwP8Af39/AAAAAAAAAAAAAAAAAAAAAAAAAAAAIQAAABgAAAAUAAAA+DQAABonAADYRQAAWSkAABAAAAAmAAAACAAAAAAAAAAAAAAAMAAAABQAAAAAAAAAAAD//wAAAQAAAP//AAABAA=="/>
+                <pr:smNativeData xmlns:mc="http://schemas.openxmlformats.org/markup-compatibility/2006" xmlns:p14="http://schemas.microsoft.com/office/powerpoint/2010/main" xmlns:p15="http://schemas.microsoft.com/office/powerpoint/2012/main" xmlns:pr="smNativeData" xmlns="smNativeData" val="SMDATA_16_xzE7ZxMAAAAlAAAAZAAAAA0AAAAAkAAAAEgAAACQAAAASAAAAAAAAAABAAAAAAAAAAEAAABQAAAAAAAAAAAA4D8AAAAAAADgPwAAAAAAAOA/AAAAAAAA4D8AAAAAAADgPwAAAAAAAOA/AAAAAAAA4D8AAAAAAADgPwAAAAAAAOA/AAAAAAAA4D8CAAAAjAAAAAAAAAAAAAAARHLEDP///wgAAAAAAAAAAAAAAAAAAAAAAAAAAAAAAAAAAAAAZAAAAAEAAABAAAAAAAAAAAAAAAAAAAAAAAAAAAAAAAAAAAAAAAAAAAAAAAAAAAAAAAAAAAAAAAAAAAAAAAAAAAAAAAAAAAAAAAAAAAAAAAAAAAAAAAAAAAAAAAAAAAAAFAAAADwAAAAAAAAAAAAAAAAAAAkUAAAAAQAAABQAAAAUAAAAFAAAAAEAAAAAAAAAZAAAAGQAAAAAAAAAZAAAAGQAAAAVAAAAYAAAAAAAAAAAAAAADwAAACADAAAAAAAAAAAAAAEAAACgMgAAVgcAAKr4//8BAAAAf39/AAEAAABkAAAAAAAAABQAAABAHwAAAAAAACYAAAAAAAAAwOD//wAAAAAmAAAAZAAAABYAAABMAAAAAAAAAAAAAAAEAAAAAAAAAAEAAADn5uYKAAAAACgAAAAoAAAAZAAAAGQAAAAAAAAAzMzMAAAAAABQAAAAUAAAAGQAAABkAAAAAAAAABcAAAAUAAAAAAAAAAAAAAD/fwAA/38AAAAAAAAJAAAABAAAAAAAAAAeAAAAaAAAAAAAAAAAAAAAAAAAAAAAAAAAAAAAECcAABAnAAAAAAAAAAAAAAAAAAAAAAAAAAAAAAAAAAAAAAAAAAAAABQAAAAAAAAAwMD/AAAAAABkAAAAMgAAAAAAAABkAAAAAAAAAH9/fwAKAAAAIgAAABgAAAAAAAAAAAAAAAAAAAAAAAAAAAAAAAAAAAAkAAAAJAAAAAAAAAAHAAAAAAAAAAAAAAAAAAAAAAAAAAAAAAAAAAAAf39/ACUAAABYAAAAAAAAAAAAAAAAAAAAAAAAAAAAAAAAAAAAAAAAAAAAAAAAAAAAAAAAAAAAAAA/AAAAAAAAAKCGAQAAAAAAAAAAAAAAAAAMAAAAAQAAAAAAAAAAAAAAAAAAAB8AAABUAAAAAAAABQAAAAEAAAAAAAAAAAAAAAAAAAAAAAAAAAAAAAAAAAAAAAAAAAAAAAJ/f38AAAAAA8zMzADAwP8Af39/AAAAAAAAAAAAAAAAAAAAAAAAAAAAIQAAABgAAAAUAAAA+DQAABonAADYRQAAWSkAABAAAAAmAAAACAAAAAAAAAAAAAAAMAAAABQAAAAAAAAAAAD//wAAAQAAAP//AAABAA=="/>
               </a:ext>
             </a:extLst>
           </p:cNvSpPr>
@@ -2390,8 +2224,9 @@
               <a:defRPr lang="ru-ru"/>
             </a:pPr>
             <a:fld id="{3BC5C57E-30D6-9033-987D-C6668B336E93}" type="slidenum">
-              <a:t/>
+              <a:t>‹#›</a:t>
             </a:fld>
+            <a:endParaRPr/>
           </a:p>
         </p:txBody>
       </p:sp>
@@ -2405,7 +2240,7 @@
 </file>
 
 <file path=ppt/slideLayouts/slideLayout3.xml><?xml version="1.0" encoding="utf-8"?>
-<p:sldLayout xmlns:p="http://schemas.openxmlformats.org/presentationml/2006/main" xmlns:mc="http://schemas.openxmlformats.org/markup-compatibility/2006" xmlns:p14="http://schemas.microsoft.com/office/powerpoint/2010/main" xmlns:p15="http://schemas.microsoft.com/office/powerpoint/2012/main" xmlns:r="http://schemas.openxmlformats.org/officeDocument/2006/relationships" xmlns:a="http://schemas.openxmlformats.org/drawingml/2006/main" type="secHead" preserve="1">
+<p:sldLayout xmlns:a="http://schemas.openxmlformats.org/drawingml/2006/main" xmlns:r="http://schemas.openxmlformats.org/officeDocument/2006/relationships" xmlns:p="http://schemas.openxmlformats.org/presentationml/2006/main" type="secHead" preserve="1">
   <p:cSld name="Заголовок раздела">
     <p:spTree>
       <p:nvGrpSpPr>
@@ -2428,7 +2263,7 @@
             <a:spLocks noGrp="1" noChangeArrowheads="1"/>
             <a:extLst>
               <a:ext uri="smNativeData">
-                <pr:smNativeData xmlns:pr="smNativeData" xmlns="smNativeData" val="SMDATA_16_xzE7ZxMAAAAlAAAAZAAAAA0AAAAAkAAAAEgAAACQAAAASAAAAAAAAAACAAAAAAAAAAEAAABQAAAAAAAAAAAA4D8AAAAAAADgPwAAAAAAAOA/AAAAAAAA4D8AAAAAAADgPwAAAAAAAOA/AAAAAAAA4D8AAAAAAADgPwAAAAAAAOA/AAAAAAAA4D8CAAAAjAAAAAAAAAAAAAAARHLEDP///wgAAAAAAAAAAAAAAAAAAAAAAAAAAAAAAAAAAAAAZAAAAAEAAABAAAAAAAAAAAAAAAAAAAAAAAAAAAAAAAAAAAAAAAAAAAAAAAAAAAAAAAAAAAAAAAAAAAAAAAAAAAAAAAAAAAAAAAAAAAAAAAAAAAAAAAAAAAAAAAAAAAAAFAAAADwAAAAAAAAAAAAAAAAAAAkUAAAAAQAAABQAAAAUAAAAFAAAAAEAAAAAAAAAZAAAAGQAAAAAAAAAZAAAAGQAAAAVAAAAYAAAAAAAAAAAAAAADwAAACADAAAAAAAAAAAAAAEAAACgMgAAVgcAAKr4//8BAAAAf39/AAEAAABkAAAAAAAAABQAAABAHwAAAAAAACYAAAAAAAAAwOD//wAAAAAmAAAAZAAAABYAAABMAAAAAAAAAAAAAAAEAAAAAAAAAAEAAADn5uYKAAAAACgAAAAoAAAAZAAAAGQAAAAAAAAAzMzMAAAAAABQAAAAUAAAAGQAAABkAAAAAAAAABcAAAAUAAAAAAAAAAAAAAD/fwAA/38AAAAAAAAJAAAABAAAAAAAAAAeAAAAaAAAAAAAAAAAAAAAAAAAAAAAAAAAAAAAECcAABAnAAAAAAAAAAAAAAAAAAAAAAAAAAAAAAAAAAAAAAAAAAAAABQAAAAAAAAAwMD/AAAAAABkAAAAMgAAAAAAAABkAAAAAAAAAH9/fwAKAAAAIgAAABgAAAAAAAAAAAAAAAAAAAAAAAAAAAAAAAAAAAAkAAAAJAAAAAAAAAAHAAAAAAAAAAAAAAAAAAAAAAAAAAAAAAAAAAAAf39/ACUAAABYAAAAAAAAAAAAAAAAAAAAAAAAAAAAAAAAAAAAAAAAAAAAAAAAAAAAAAAAAAAAAAA/AAAAAAAAAKCGAQAAAAAAAAAAAAAAAAAMAAAAAQAAAAAAAAAAAAAAAAAAAB8AAABUAAAAAAAABQAAAAEAAAAAAAAAAAAAAAAAAAAAAAAAAAAAAAAAAAAAAAAAAAAAAAJ/f38AAAAAA8zMzADAwP8Af39/AAAAAAAAAAAAAAAAAAAAAAAAAAAAIQAAABgAAAAUAAAAHgUAAIUKAADORQAAERwAABAAAAAmAAAACAAAAIGAAAAAAAAAMAAAABQAAAAAAAAAAAD//wAAAQAAAP//AAABAA=="/>
+                <pr:smNativeData xmlns:mc="http://schemas.openxmlformats.org/markup-compatibility/2006" xmlns:p14="http://schemas.microsoft.com/office/powerpoint/2010/main" xmlns:p15="http://schemas.microsoft.com/office/powerpoint/2012/main" xmlns:pr="smNativeData" xmlns="smNativeData" val="SMDATA_16_xzE7ZxMAAAAlAAAAZAAAAA0AAAAAkAAAAEgAAACQAAAASAAAAAAAAAACAAAAAAAAAAEAAABQAAAAAAAAAAAA4D8AAAAAAADgPwAAAAAAAOA/AAAAAAAA4D8AAAAAAADgPwAAAAAAAOA/AAAAAAAA4D8AAAAAAADgPwAAAAAAAOA/AAAAAAAA4D8CAAAAjAAAAAAAAAAAAAAARHLEDP///wgAAAAAAAAAAAAAAAAAAAAAAAAAAAAAAAAAAAAAZAAAAAEAAABAAAAAAAAAAAAAAAAAAAAAAAAAAAAAAAAAAAAAAAAAAAAAAAAAAAAAAAAAAAAAAAAAAAAAAAAAAAAAAAAAAAAAAAAAAAAAAAAAAAAAAAAAAAAAAAAAAAAAFAAAADwAAAAAAAAAAAAAAAAAAAkUAAAAAQAAABQAAAAUAAAAFAAAAAEAAAAAAAAAZAAAAGQAAAAAAAAAZAAAAGQAAAAVAAAAYAAAAAAAAAAAAAAADwAAACADAAAAAAAAAAAAAAEAAACgMgAAVgcAAKr4//8BAAAAf39/AAEAAABkAAAAAAAAABQAAABAHwAAAAAAACYAAAAAAAAAwOD//wAAAAAmAAAAZAAAABYAAABMAAAAAAAAAAAAAAAEAAAAAAAAAAEAAADn5uYKAAAAACgAAAAoAAAAZAAAAGQAAAAAAAAAzMzMAAAAAABQAAAAUAAAAGQAAABkAAAAAAAAABcAAAAUAAAAAAAAAAAAAAD/fwAA/38AAAAAAAAJAAAABAAAAAAAAAAeAAAAaAAAAAAAAAAAAAAAAAAAAAAAAAAAAAAAECcAABAnAAAAAAAAAAAAAAAAAAAAAAAAAAAAAAAAAAAAAAAAAAAAABQAAAAAAAAAwMD/AAAAAABkAAAAMgAAAAAAAABkAAAAAAAAAH9/fwAKAAAAIgAAABgAAAAAAAAAAAAAAAAAAAAAAAAAAAAAAAAAAAAkAAAAJAAAAAAAAAAHAAAAAAAAAAAAAAAAAAAAAAAAAAAAAAAAAAAAf39/ACUAAABYAAAAAAAAAAAAAAAAAAAAAAAAAAAAAAAAAAAAAAAAAAAAAAAAAAAAAAAAAAAAAAA/AAAAAAAAAKCGAQAAAAAAAAAAAAAAAAAMAAAAAQAAAAAAAAAAAAAAAAAAAB8AAABUAAAAAAAABQAAAAEAAAAAAAAAAAAAAAAAAAAAAAAAAAAAAAAAAAAAAAAAAAAAAAJ/f38AAAAAA8zMzADAwP8Af39/AAAAAAAAAAAAAAAAAAAAAAAAAAAAIQAAABgAAAAUAAAAHgUAAIUKAADORQAAERwAABAAAAAmAAAACAAAAIGAAAAAAAAAMAAAABQAAAAAAAAAAAD//wAAAQAAAP//AAABAA=="/>
               </a:ext>
             </a:extLst>
           </p:cNvSpPr>
@@ -2494,7 +2329,7 @@
             <a:spLocks noGrp="1" noChangeArrowheads="1"/>
             <a:extLst>
               <a:ext uri="smNativeData">
-                <pr:smNativeData xmlns:pr="smNativeData" xmlns="smNativeData" val="SMDATA_16_xzE7ZxMAAAAlAAAAZAAAAA0AAAAAkAAAAEgAAACQAAAASAAAAAAAAAAAAAAAAAAAAAEAAABQAAAAAAAAAAAA4D8AAAAAAADgPwAAAAAAAOA/AAAAAAAA4D8AAAAAAADgPwAAAAAAAOA/AAAAAAAA4D8AAAAAAADgPwAAAAAAAOA/AAAAAAAA4D8CAAAAjAAAAAAAAAAAAAAARHLEDP///wgAAAAAAAAAAAAAAAAAAAAAAAAAAAAAAAAAAAAAZAAAAAEAAABAAAAAAAAAAAAAAAAAAAAAAAAAAAAAAAAAAAAAAAAAAAAAAAAAAAAAAAAAAAAAAAAAAAAAAAAAAAAAAAAAAAAAAAAAAAAAAAAAAAAAAAAAAAAAAAAAAAAAFAAAADwAAAAAAAAAAAAAAAAAAAkUAAAAAQAAABQAAAAUAAAAFAAAAAEAAAAAAAAAZAAAAGQAAAAAAAAAZAAAAGQAAAAVAAAAYAAAAAAAAAAAAAAADwAAACADAAAAAAAAAAAAAAEAAACgMgAAVgcAAKr4//8BAAAAf39/AAEAAABkAAAAAAAAABQAAABAHwAAAAAAACYAAAAAAAAAwOD//wAAAAAmAAAAZAAAABYAAABMAAAAAAAAAAAAAAAEAAAAAAAAAAEAAADn5uYKAAAAACgAAAAoAAAAZAAAAGQAAAAAAAAAzMzMAAAAAABQAAAAUAAAAGQAAABkAAAAAAAAABcAAAAUAAAAAAAAAAAAAAD/fwAA/38AAAAAAAAJAAAABAAAAAAAAAAeAAAAaAAAAAAAAAAAAAAAAAAAAAAAAAAAAAAAECcAABAnAAAAAAAAAAAAAAAAAAAAAAAAAAAAAAAAAAAAAAAAAAAAABQAAAAAAAAAwMD/AAAAAABkAAAAMgAAAAAAAABkAAAAAAAAAH9/fwAKAAAAIgAAABgAAAAAAAAAAAAAAAAAAAAAAAAAAAAAAAAAAAAkAAAAJAAAAAAAAAAHAAAAAAAAAAAAAAAAAAAAAAAAAAAAAAAAAAAAf39/ACUAAABYAAAAAAAAAAAAAAAAAAAAAAAAAAAAAAAAAAAAAAAAAAAAAAAAAAAAAAAAAAAAAAA/AAAAAAAAAKCGAQAAAAAAAAAAAAAAAAAMAAAAAQAAAAAAAAAAAAAAAAAAAB8AAABUAAAAAAAABQAAAAEAAAAAAAAAAAAAAAAAAAAAAAAAAAAAAAAAAAAAAAAAAAAAAAJ/f38AAAAAA8zMzADAwP8Af39/AAAAAAAAAAAAAAAAAAAAAAAAAAAAIQAAABgAAAAUAAAAHgUAADwcAADORQAAdiUAABAAAAAmAAAACAAAAAGAAAAAAAAAMAAAABQAAAAAAAAAAAD//wAAAQAAAP//AAABAA=="/>
+                <pr:smNativeData xmlns:mc="http://schemas.openxmlformats.org/markup-compatibility/2006" xmlns:p14="http://schemas.microsoft.com/office/powerpoint/2010/main" xmlns:p15="http://schemas.microsoft.com/office/powerpoint/2012/main" xmlns:pr="smNativeData" xmlns="smNativeData" val="SMDATA_16_xzE7ZxMAAAAlAAAAZAAAAA0AAAAAkAAAAEgAAACQAAAASAAAAAAAAAAAAAAAAAAAAAEAAABQAAAAAAAAAAAA4D8AAAAAAADgPwAAAAAAAOA/AAAAAAAA4D8AAAAAAADgPwAAAAAAAOA/AAAAAAAA4D8AAAAAAADgPwAAAAAAAOA/AAAAAAAA4D8CAAAAjAAAAAAAAAAAAAAARHLEDP///wgAAAAAAAAAAAAAAAAAAAAAAAAAAAAAAAAAAAAAZAAAAAEAAABAAAAAAAAAAAAAAAAAAAAAAAAAAAAAAAAAAAAAAAAAAAAAAAAAAAAAAAAAAAAAAAAAAAAAAAAAAAAAAAAAAAAAAAAAAAAAAAAAAAAAAAAAAAAAAAAAAAAAFAAAADwAAAAAAAAAAAAAAAAAAAkUAAAAAQAAABQAAAAUAAAAFAAAAAEAAAAAAAAAZAAAAGQAAAAAAAAAZAAAAGQAAAAVAAAAYAAAAAAAAAAAAAAADwAAACADAAAAAAAAAAAAAAEAAACgMgAAVgcAAKr4//8BAAAAf39/AAEAAABkAAAAAAAAABQAAABAHwAAAAAAACYAAAAAAAAAwOD//wAAAAAmAAAAZAAAABYAAABMAAAAAAAAAAAAAAAEAAAAAAAAAAEAAADn5uYKAAAAACgAAAAoAAAAZAAAAGQAAAAAAAAAzMzMAAAAAABQAAAAUAAAAGQAAABkAAAAAAAAABcAAAAUAAAAAAAAAAAAAAD/fwAA/38AAAAAAAAJAAAABAAAAAAAAAAeAAAAaAAAAAAAAAAAAAAAAAAAAAAAAAAAAAAAECcAABAnAAAAAAAAAAAAAAAAAAAAAAAAAAAAAAAAAAAAAAAAAAAAABQAAAAAAAAAwMD/AAAAAABkAAAAMgAAAAAAAABkAAAAAAAAAH9/fwAKAAAAIgAAABgAAAAAAAAAAAAAAAAAAAAAAAAAAAAAAAAAAAAkAAAAJAAAAAAAAAAHAAAAAAAAAAAAAAAAAAAAAAAAAAAAAAAAAAAAf39/ACUAAABYAAAAAAAAAAAAAAAAAAAAAAAAAAAAAAAAAAAAAAAAAAAAAAAAAAAAAAAAAAAAAAA/AAAAAAAAAKCGAQAAAAAAAAAAAAAAAAAMAAAAAQAAAAAAAAAAAAAAAAAAAB8AAABUAAAAAAAABQAAAAEAAAAAAAAAAAAAAAAAAAAAAAAAAAAAAAAAAAAAAAAAAAAAAAJ/f38AAAAAA8zMzADAwP8Af39/AAAAAAAAAAAAAAAAAAAAAAAAAAAAIQAAABgAAAAUAAAAHgUAADwcAADORQAAdiUAABAAAAAmAAAACAAAAAGAAAAAAAAAMAAAABQAAAAAAAAAAAD//wAAAQAAAP//AAABAA=="/>
               </a:ext>
             </a:extLst>
           </p:cNvSpPr>
@@ -2601,7 +2436,7 @@
             <a:spLocks noGrp="1" noChangeArrowheads="1"/>
             <a:extLst>
               <a:ext uri="smNativeData">
-                <pr:smNativeData xmlns:pr="smNativeData" xmlns="smNativeData" val="SMDATA_16_xzE7ZxMAAAAlAAAAZAAAAA0AAAAAkAAAAEgAAACQAAAASAAAAAAAAAABAAAAAAAAAAEAAABQAAAAAAAAAAAA4D8AAAAAAADgPwAAAAAAAOA/AAAAAAAA4D8AAAAAAADgPwAAAAAAAOA/AAAAAAAA4D8AAAAAAADgPwAAAAAAAOA/AAAAAAAA4D8CAAAAjAAAAAAAAAAAAAAARHLEDP///wgAAAAAAAAAAAAAAAAAAAAAAAAAAAAAAAAAAAAAZAAAAAEAAABAAAAAAAAAAAAAAAAAAAAAAAAAAAAAAAAAAAAAAAAAAAAAAAAAAAAAAAAAAAAAAAAAAAAAAAAAAAAAAAAAAAAAAAAAAAAAAAAAAAAAAAAAAAAAAAAAAAAAFAAAADwAAAAAAAAAAAAAAAAAAAkUAAAAAQAAABQAAAAUAAAAFAAAAAEAAAAAAAAAZAAAAGQAAAAAAAAAZAAAAGQAAAAVAAAAYAAAAAAAAAAAAAAADwAAACADAAAAAAAAAAAAAAEAAACgMgAAVgcAAKr4//8BAAAAf39/AAEAAABkAAAAAAAAABQAAABAHwAAAAAAACYAAAAAAAAAwOD//wAAAAAmAAAAZAAAABYAAABMAAAAAAAAAAAAAAAEAAAAAAAAAAEAAADn5uYKAAAAACgAAAAoAAAAZAAAAGQAAAAAAAAAzMzMAAAAAABQAAAAUAAAAGQAAABkAAAAAAAAABcAAAAUAAAAAAAAAAAAAAD/fwAA/38AAAAAAAAJAAAABAAAAAAAAAAeAAAAaAAAAAAAAAAAAAAAAAAAAAAAAAAAAAAAECcAABAnAAAAAAAAAAAAAAAAAAAAAAAAAAAAAAAAAAAAAAAAAAAAABQAAAAAAAAAwMD/AAAAAABkAAAAMgAAAAAAAABkAAAAAAAAAH9/fwAKAAAAIgAAABgAAAAAAAAAAAAAAAAAAAAAAAAAAAAAAAAAAAAkAAAAJAAAAAAAAAAHAAAAAAAAAAAAAAAAAAAAAAAAAAAAAAAAAAAAf39/ACUAAABYAAAAAAAAAAAAAAAAAAAAAAAAAAAAAAAAAAAAAAAAAAAAAAAAAAAAAAAAAAAAAAA/AAAAAAAAAKCGAQAAAAAAAAAAAAAAAAAMAAAAAQAAAAAAAAAAAAAAAAAAAB8AAABUAAAAAAAABQAAAAEAAAAAAAAAAAAAAAAAAAAAAAAAAAAAAAAAAAAAAAAAAAAAAAJ/f38AAAAAA8zMzADAwP8Af39/AAAAAAAAAAAAAAAAAAAAAAAAAAAAIQAAABgAAAAUAAAAKAUAABonAAAIFgAAWSkAABAAAAAmAAAACAAAAAAAAAAAAAAAMAAAABQAAAAAAAAAAAD//wAAAQAAAP//AAABAA=="/>
+                <pr:smNativeData xmlns:mc="http://schemas.openxmlformats.org/markup-compatibility/2006" xmlns:p14="http://schemas.microsoft.com/office/powerpoint/2010/main" xmlns:p15="http://schemas.microsoft.com/office/powerpoint/2012/main" xmlns:pr="smNativeData" xmlns="smNativeData" val="SMDATA_16_xzE7ZxMAAAAlAAAAZAAAAA0AAAAAkAAAAEgAAACQAAAASAAAAAAAAAABAAAAAAAAAAEAAABQAAAAAAAAAAAA4D8AAAAAAADgPwAAAAAAAOA/AAAAAAAA4D8AAAAAAADgPwAAAAAAAOA/AAAAAAAA4D8AAAAAAADgPwAAAAAAAOA/AAAAAAAA4D8CAAAAjAAAAAAAAAAAAAAARHLEDP///wgAAAAAAAAAAAAAAAAAAAAAAAAAAAAAAAAAAAAAZAAAAAEAAABAAAAAAAAAAAAAAAAAAAAAAAAAAAAAAAAAAAAAAAAAAAAAAAAAAAAAAAAAAAAAAAAAAAAAAAAAAAAAAAAAAAAAAAAAAAAAAAAAAAAAAAAAAAAAAAAAAAAAFAAAADwAAAAAAAAAAAAAAAAAAAkUAAAAAQAAABQAAAAUAAAAFAAAAAEAAAAAAAAAZAAAAGQAAAAAAAAAZAAAAGQAAAAVAAAAYAAAAAAAAAAAAAAADwAAACADAAAAAAAAAAAAAAEAAACgMgAAVgcAAKr4//8BAAAAf39/AAEAAABkAAAAAAAAABQAAABAHwAAAAAAACYAAAAAAAAAwOD//wAAAAAmAAAAZAAAABYAAABMAAAAAAAAAAAAAAAEAAAAAAAAAAEAAADn5uYKAAAAACgAAAAoAAAAZAAAAGQAAAAAAAAAzMzMAAAAAABQAAAAUAAAAGQAAABkAAAAAAAAABcAAAAUAAAAAAAAAAAAAAD/fwAA/38AAAAAAAAJAAAABAAAAAAAAAAeAAAAaAAAAAAAAAAAAAAAAAAAAAAAAAAAAAAAECcAABAnAAAAAAAAAAAAAAAAAAAAAAAAAAAAAAAAAAAAAAAAAAAAABQAAAAAAAAAwMD/AAAAAABkAAAAMgAAAAAAAABkAAAAAAAAAH9/fwAKAAAAIgAAABgAAAAAAAAAAAAAAAAAAAAAAAAAAAAAAAAAAAAkAAAAJAAAAAAAAAAHAAAAAAAAAAAAAAAAAAAAAAAAAAAAAAAAAAAAf39/ACUAAABYAAAAAAAAAAAAAAAAAAAAAAAAAAAAAAAAAAAAAAAAAAAAAAAAAAAAAAAAAAAAAAA/AAAAAAAAAKCGAQAAAAAAAAAAAAAAAAAMAAAAAQAAAAAAAAAAAAAAAAAAAB8AAABUAAAAAAAABQAAAAEAAAAAAAAAAAAAAAAAAAAAAAAAAAAAAAAAAAAAAAAAAAAAAAJ/f38AAAAAA8zMzADAwP8Af39/AAAAAAAAAAAAAAAAAAAAAAAAAAAAIQAAABgAAAAUAAAAKAUAABonAAAIFgAAWSkAABAAAAAmAAAACAAAAAAAAAAAAAAAMAAAABQAAAAAAAAAAAD//wAAAQAAAP//AAABAA=="/>
               </a:ext>
             </a:extLst>
           </p:cNvSpPr>
@@ -2618,8 +2453,9 @@
               <a:defRPr lang="ru-ru"/>
             </a:pPr>
             <a:fld id="{3BC5B1C1-8FD6-9047-987D-7912FF336E2C}" type="datetime1">
-              <a:t>18.11.2024</a:t>
+              <a:t>20.11.2024</a:t>
             </a:fld>
+            <a:endParaRPr/>
           </a:p>
         </p:txBody>
       </p:sp>
@@ -2630,7 +2466,7 @@
             <a:spLocks noGrp="1" noChangeArrowheads="1"/>
             <a:extLst>
               <a:ext uri="smNativeData">
-                <pr:smNativeData xmlns:pr="smNativeData" xmlns="smNativeData" val="SMDATA_16_xzE7ZxMAAAAlAAAAZAAAAA0AAAAAkAAAAEgAAACQAAAASAAAAAAAAAABAAAAAAAAAAEAAABQAAAAAAAAAAAA4D8AAAAAAADgPwAAAAAAAOA/AAAAAAAA4D8AAAAAAADgPwAAAAAAAOA/AAAAAAAA4D8AAAAAAADgPwAAAAAAAOA/AAAAAAAA4D8CAAAAjAAAAAAAAAAAAAAARHLEDP///wgAAAAAAAAAAAAAAAAAAAAAAAAAAAAAAAAAAAAAZAAAAAEAAABAAAAAAAAAAAAAAAAAAAAAAAAAAAAAAAAAAAAAAAAAAAAAAAAAAAAAAAAAAAAAAAAAAAAAAAAAAAAAAAAAAAAAAAAAAAAAAAAAAAAAAAAAAAAAAAAAAAAAFAAAADwAAAAAAAAAAAAAAAAAAAkUAAAAAQAAABQAAAAUAAAAFAAAAAEAAAAAAAAAZAAAAGQAAAAAAAAAZAAAAGQAAAAVAAAAYAAAAAAAAAAAAAAADwAAACADAAAAAAAAAAAAAAEAAACgMgAAVgcAAKr4//8BAAAAf39/AAEAAABkAAAAAAAAABQAAABAHwAAAAAAACYAAAAAAAAAwOD//wAAAAAmAAAAZAAAABYAAABMAAAAAAAAAAAAAAAEAAAAAAAAAAEAAADn5uYKAAAAACgAAAAoAAAAZAAAAGQAAAAAAAAAzMzMAAAAAABQAAAAUAAAAGQAAABkAAAAAAAAABcAAAAUAAAAAAAAAAAAAAD/fwAA/38AAAAAAAAJAAAABAAAAAAAAAAeAAAAaAAAAAAAAAAAAAAAAAAAAAAAAAAAAAAAECcAABAnAAAAAAAAAAAAAAAAAAAAAAAAAAAAAAAAAAAAAAAAAAAAABQAAAAAAAAAwMD/AAAAAABkAAAAMgAAAAAAAABkAAAAAAAAAH9/fwAKAAAAIgAAABgAAAAAAAAAAAAAAAAAAAAAAAAAAAAAAAAAAAAkAAAAJAAAAAAAAAAHAAAAAAAAAAAAAAAAAAAAAAAAAAAAAAAAAAAAf39/ACUAAABYAAAAAAAAAAAAAAAAAAAAAAAAAAAAAAAAAAAAAAAAAAAAAAAAAAAAAAAAAAAAAAA/AAAAAAAAAKCGAQAAAAAAAAAAAAAAAAAMAAAAAQAAAAAAAAAAAAAAAAAAAB8AAABUAAAAAAAABQAAAAEAAAAAAAAAAAAAAAAAAAAAAAAAAAAAAAAAAAAAAAAAAAAAAAJ/f38AAAAAA8zMzADAwP8Af39/AAAAAAAAAAAAAAAAAAAAAAAAAAAAIQAAABgAAAAUAAAA2BgAABonAAAoMgAAWSkAABAAAAAmAAAACAAAAAAAAAAAAAAAMAAAABQAAAAAAAAAAAD//wAAAQAAAP//AAABAA=="/>
+                <pr:smNativeData xmlns:mc="http://schemas.openxmlformats.org/markup-compatibility/2006" xmlns:p14="http://schemas.microsoft.com/office/powerpoint/2010/main" xmlns:p15="http://schemas.microsoft.com/office/powerpoint/2012/main" xmlns:pr="smNativeData" xmlns="smNativeData" val="SMDATA_16_xzE7ZxMAAAAlAAAAZAAAAA0AAAAAkAAAAEgAAACQAAAASAAAAAAAAAABAAAAAAAAAAEAAABQAAAAAAAAAAAA4D8AAAAAAADgPwAAAAAAAOA/AAAAAAAA4D8AAAAAAADgPwAAAAAAAOA/AAAAAAAA4D8AAAAAAADgPwAAAAAAAOA/AAAAAAAA4D8CAAAAjAAAAAAAAAAAAAAARHLEDP///wgAAAAAAAAAAAAAAAAAAAAAAAAAAAAAAAAAAAAAZAAAAAEAAABAAAAAAAAAAAAAAAAAAAAAAAAAAAAAAAAAAAAAAAAAAAAAAAAAAAAAAAAAAAAAAAAAAAAAAAAAAAAAAAAAAAAAAAAAAAAAAAAAAAAAAAAAAAAAAAAAAAAAFAAAADwAAAAAAAAAAAAAAAAAAAkUAAAAAQAAABQAAAAUAAAAFAAAAAEAAAAAAAAAZAAAAGQAAAAAAAAAZAAAAGQAAAAVAAAAYAAAAAAAAAAAAAAADwAAACADAAAAAAAAAAAAAAEAAACgMgAAVgcAAKr4//8BAAAAf39/AAEAAABkAAAAAAAAABQAAABAHwAAAAAAACYAAAAAAAAAwOD//wAAAAAmAAAAZAAAABYAAABMAAAAAAAAAAAAAAAEAAAAAAAAAAEAAADn5uYKAAAAACgAAAAoAAAAZAAAAGQAAAAAAAAAzMzMAAAAAABQAAAAUAAAAGQAAABkAAAAAAAAABcAAAAUAAAAAAAAAAAAAAD/fwAA/38AAAAAAAAJAAAABAAAAAAAAAAeAAAAaAAAAAAAAAAAAAAAAAAAAAAAAAAAAAAAECcAABAnAAAAAAAAAAAAAAAAAAAAAAAAAAAAAAAAAAAAAAAAAAAAABQAAAAAAAAAwMD/AAAAAABkAAAAMgAAAAAAAABkAAAAAAAAAH9/fwAKAAAAIgAAABgAAAAAAAAAAAAAAAAAAAAAAAAAAAAAAAAAAAAkAAAAJAAAAAAAAAAHAAAAAAAAAAAAAAAAAAAAAAAAAAAAAAAAAAAAf39/ACUAAABYAAAAAAAAAAAAAAAAAAAAAAAAAAAAAAAAAAAAAAAAAAAAAAAAAAAAAAAAAAAAAAA/AAAAAAAAAKCGAQAAAAAAAAAAAAAAAAAMAAAAAQAAAAAAAAAAAAAAAAAAAB8AAABUAAAAAAAABQAAAAEAAAAAAAAAAAAAAAAAAAAAAAAAAAAAAAAAAAAAAAAAAAAAAAJ/f38AAAAAA8zMzADAwP8Af39/AAAAAAAAAAAAAAAAAAAAAAAAAAAAIQAAABgAAAAUAAAA2BgAABonAAAoMgAAWSkAABAAAAAmAAAACAAAAAAAAAAAAAAAMAAAABQAAAAAAAAAAAD//wAAAQAAAP//AAABAA=="/>
               </a:ext>
             </a:extLst>
           </p:cNvSpPr>
@@ -2646,6 +2482,7 @@
             <a:pPr>
               <a:defRPr lang="ru-ru"/>
             </a:pPr>
+            <a:endParaRPr/>
           </a:p>
         </p:txBody>
       </p:sp>
@@ -2656,7 +2493,7 @@
             <a:spLocks noGrp="1" noChangeArrowheads="1"/>
             <a:extLst>
               <a:ext uri="smNativeData">
-                <pr:smNativeData xmlns:pr="smNativeData" xmlns="smNativeData" val="SMDATA_16_xzE7ZxMAAAAlAAAAZAAAAA0AAAAAkAAAAEgAAACQAAAASAAAAAAAAAABAAAAAAAAAAEAAABQAAAAAAAAAAAA4D8AAAAAAADgPwAAAAAAAOA/AAAAAAAA4D8AAAAAAADgPwAAAAAAAOA/AAAAAAAA4D8AAAAAAADgPwAAAAAAAOA/AAAAAAAA4D8CAAAAjAAAAAAAAAAAAAAARHLEDP///wgAAAAAAAAAAAAAAAAAAAAAAAAAAAAAAAAAAAAAZAAAAAEAAABAAAAAAAAAAAAAAAAAAAAAAAAAAAAAAAAAAAAAAAAAAAAAAAAAAAAAAAAAAAAAAAAAAAAAAAAAAAAAAAAAAAAAAAAAAAAAAAAAAAAAAAAAAAAAAAAAAAAAFAAAADwAAAAAAAAAAAAAAAAAAAkUAAAAAQAAABQAAAAUAAAAFAAAAAEAAAAAAAAAZAAAAGQAAAAAAAAAZAAAAGQAAAAVAAAAYAAAAAAAAAAAAAAADwAAACADAAAAAAAAAAAAAAEAAACgMgAAVgcAAKr4//8BAAAAf39/AAEAAABkAAAAAAAAABQAAABAHwAAAAAAACYAAAAAAAAAwOD//wAAAAAmAAAAZAAAABYAAABMAAAAAAAAAAAAAAAEAAAAAAAAAAEAAADn5uYKAAAAACgAAAAoAAAAZAAAAGQAAAAAAAAAzMzMAAAAAABQAAAAUAAAAGQAAABkAAAAAAAAABcAAAAUAAAAAAAAAAAAAAD/fwAA/38AAAAAAAAJAAAABAAAAAUAAAAeAAAAaAAAAAAAAAAAAAAAAAAAAAAAAAAAAAAAECcAABAnAAAAAAAAAAAAAAAAAAAAAAAAAAAAAAAAAAAAAAAAAAAAABQAAAAAAAAAwMD/AAAAAABkAAAAMgAAAAAAAABkAAAAAAAAAH9/fwAKAAAAIgAAABgAAAAAAAAAAAAAAAAAAAAAAAAAAAAAAAAAAAAkAAAAJAAAAAAAAAAHAAAAAAAAAAAAAAAAAAAAAAAAAAAAAAAAAAAAf39/ACUAAABYAAAAAAAAAAAAAAAAAAAAAAAAAAAAAAAAAAAAAAAAAAAAAAAAAAAAAAAAAAAAAAA/AAAAAAAAAKCGAQAAAAAAAAAAAAAAAAAMAAAAAQAAAAAAAAAAAAAAAAAAAB8AAABUAAAAAAAABQAAAAEAAAAAAAAAAAAAAAAAAAAAAAAAAAAAAAAAAAAAAAAAAAAAAAJ/f38AAAAAA8zMzADAwP8Af39/AAAAAAAAAAAAAAAAAAAAAAAAAAAAIQAAABgAAAAUAAAA+DQAABonAADYRQAAWSkAABAAAAAmAAAACAAAAAAAAAAAAAAAMAAAABQAAAAAAAAAAAD//wAAAQAAAP//AAABAA=="/>
+                <pr:smNativeData xmlns:mc="http://schemas.openxmlformats.org/markup-compatibility/2006" xmlns:p14="http://schemas.microsoft.com/office/powerpoint/2010/main" xmlns:p15="http://schemas.microsoft.com/office/powerpoint/2012/main" xmlns:pr="smNativeData" xmlns="smNativeData" val="SMDATA_16_xzE7ZxMAAAAlAAAAZAAAAA0AAAAAkAAAAEgAAACQAAAASAAAAAAAAAABAAAAAAAAAAEAAABQAAAAAAAAAAAA4D8AAAAAAADgPwAAAAAAAOA/AAAAAAAA4D8AAAAAAADgPwAAAAAAAOA/AAAAAAAA4D8AAAAAAADgPwAAAAAAAOA/AAAAAAAA4D8CAAAAjAAAAAAAAAAAAAAARHLEDP///wgAAAAAAAAAAAAAAAAAAAAAAAAAAAAAAAAAAAAAZAAAAAEAAABAAAAAAAAAAAAAAAAAAAAAAAAAAAAAAAAAAAAAAAAAAAAAAAAAAAAAAAAAAAAAAAAAAAAAAAAAAAAAAAAAAAAAAAAAAAAAAAAAAAAAAAAAAAAAAAAAAAAAFAAAADwAAAAAAAAAAAAAAAAAAAkUAAAAAQAAABQAAAAUAAAAFAAAAAEAAAAAAAAAZAAAAGQAAAAAAAAAZAAAAGQAAAAVAAAAYAAAAAAAAAAAAAAADwAAACADAAAAAAAAAAAAAAEAAACgMgAAVgcAAKr4//8BAAAAf39/AAEAAABkAAAAAAAAABQAAABAHwAAAAAAACYAAAAAAAAAwOD//wAAAAAmAAAAZAAAABYAAABMAAAAAAAAAAAAAAAEAAAAAAAAAAEAAADn5uYKAAAAACgAAAAoAAAAZAAAAGQAAAAAAAAAzMzMAAAAAABQAAAAUAAAAGQAAABkAAAAAAAAABcAAAAUAAAAAAAAAAAAAAD/fwAA/38AAAAAAAAJAAAABAAAAAUAAAAeAAAAaAAAAAAAAAAAAAAAAAAAAAAAAAAAAAAAECcAABAnAAAAAAAAAAAAAAAAAAAAAAAAAAAAAAAAAAAAAAAAAAAAABQAAAAAAAAAwMD/AAAAAABkAAAAMgAAAAAAAABkAAAAAAAAAH9/fwAKAAAAIgAAABgAAAAAAAAAAAAAAAAAAAAAAAAAAAAAAAAAAAAkAAAAJAAAAAAAAAAHAAAAAAAAAAAAAAAAAAAAAAAAAAAAAAAAAAAAf39/ACUAAABYAAAAAAAAAAAAAAAAAAAAAAAAAAAAAAAAAAAAAAAAAAAAAAAAAAAAAAAAAAAAAAA/AAAAAAAAAKCGAQAAAAAAAAAAAAAAAAAMAAAAAQAAAAAAAAAAAAAAAAAAAB8AAABUAAAAAAAABQAAAAEAAAAAAAAAAAAAAAAAAAAAAAAAAAAAAAAAAAAAAAAAAAAAAAJ/f38AAAAAA8zMzADAwP8Af39/AAAAAAAAAAAAAAAAAAAAAAAAAAAAIQAAABgAAAAUAAAA+DQAABonAADYRQAAWSkAABAAAAAmAAAACAAAAAAAAAAAAAAAMAAAABQAAAAAAAAAAAD//wAAAQAAAP//AAABAA=="/>
               </a:ext>
             </a:extLst>
           </p:cNvSpPr>
@@ -2675,6 +2512,7 @@
             <a:fld id="{3BC5B94B-05D6-904F-987D-F31AF7336EA6}" type="slidenum">
               <a:t>‹#›</a:t>
             </a:fld>
+            <a:endParaRPr/>
           </a:p>
         </p:txBody>
       </p:sp>
@@ -2688,7 +2526,7 @@
 </file>
 
 <file path=ppt/slideLayouts/slideLayout4.xml><?xml version="1.0" encoding="utf-8"?>
-<p:sldLayout xmlns:p="http://schemas.openxmlformats.org/presentationml/2006/main" xmlns:mc="http://schemas.openxmlformats.org/markup-compatibility/2006" xmlns:p14="http://schemas.microsoft.com/office/powerpoint/2010/main" xmlns:p15="http://schemas.microsoft.com/office/powerpoint/2012/main" xmlns:r="http://schemas.openxmlformats.org/officeDocument/2006/relationships" xmlns:a="http://schemas.openxmlformats.org/drawingml/2006/main" type="twoObj" preserve="1">
+<p:sldLayout xmlns:a="http://schemas.openxmlformats.org/drawingml/2006/main" xmlns:r="http://schemas.openxmlformats.org/officeDocument/2006/relationships" xmlns:p="http://schemas.openxmlformats.org/presentationml/2006/main" type="twoObj" preserve="1">
   <p:cSld name="Два объекта">
     <p:spTree>
       <p:nvGrpSpPr>
@@ -2711,7 +2549,7 @@
             <a:spLocks noGrp="1" noChangeArrowheads="1"/>
             <a:extLst>
               <a:ext uri="smNativeData">
-                <pr:smNativeData xmlns:pr="smNativeData" xmlns="smNativeData" val="SMDATA_16_xzE7ZxMAAAAlAAAAZAAAAA0AAAAAkAAAAEgAAACQAAAASAAAAAAAAAABAAAAAAAAAAEAAABQAAAAAAAAAAAA4D8AAAAAAADgPwAAAAAAAOA/AAAAAAAA4D8AAAAAAADgPwAAAAAAAOA/AAAAAAAA4D8AAAAAAADgPwAAAAAAAOA/AAAAAAAA4D8CAAAAjAAAAAAAAAAAAAAARHLEDP///wgAAAAAAAAAAAAAAAAAAAAAAAAAAAAAAAAAAAAAZAAAAAEAAABAAAAAAAAAAAAAAAAAAAAAAAAAAAAAAAAAAAAAAAAAAAAAAAAAAAAAAAAAAAAAAAAAAAAAAAAAAAAAAAAAAAAAAAAAAAAAAAAAAAAAAAAAAAAAAAAAAAAAFAAAADwAAAAAAAAAAAAAAAAAAAkUAAAAAQAAABQAAAAUAAAAFAAAAAEAAAAAAAAAZAAAAGQAAAAAAAAAZAAAAGQAAAAVAAAAYAAAAAAAAAAAAAAADwAAACADAAAAAAAAAAAAAAEAAACgMgAAVgcAAKr4//8BAAAAf39/AAEAAABkAAAAAAAAABQAAABAHwAAAAAAACYAAAAAAAAAwOD//wAAAAAmAAAAZAAAABYAAABMAAAAAAAAAAAAAAAEAAAAAAAAAAEAAADn5uYKAAAAACgAAAAoAAAAZAAAAGQAAAAAAAAAzMzMAAAAAABQAAAAUAAAAGQAAABkAAAAAAAAABcAAAAUAAAAAAAAAAAAAAD/fwAA/38AAAAAAAAJAAAABAAAAAFuTT0eAAAAaAAAAAAAAAAAAAAAAAAAAAAAAAAAAAAAECcAABAnAAAAAAAAAAAAAAAAAAAAAAAAAAAAAAAAAAAAAAAAAAAAABQAAAAAAAAAwMD/AAAAAABkAAAAMgAAAAAAAABkAAAAAAAAAH9/fwAKAAAAIgAAABgAAAAAAAAAAAAAAAAAAAAAAAAAAAAAAAAAAAAkAAAAJAAAAAAAAAAHAAAAAAAAAAAAAAAAAAAAAAAAAAAAAAAAAAAAf39/ACUAAABYAAAAAAAAAAAAAAAAAAAAAAAAAAAAAAAAAAAAAAAAAAAAAAAAAAAAAAAAAAAAAAA/AAAAAAAAAKCGAQAAAAAAAAAAAAAAAAAMAAAAAQAAAAAAAAAAAAAAAAAAAB8AAABUAAAAAAAABQAAAAEAAAAAAAAAAAAAAAAAAAAAAAAAAAAAAAAAAAAAAAAAAAAAAAJ/f38AAAAAA8zMzADAwP8Af39/AAAAAAAAAAAAAAAAAAAAAAAAAAAAIQAAABgAAAAUAAAAKAUAAD8CAADYRQAAZwoAABAAAAAmAAAACAAAAAAAAAAAAAAAMAAAABQAAAAAAAAAAAD//wAAAQAAAP//AAABAA=="/>
+                <pr:smNativeData xmlns:mc="http://schemas.openxmlformats.org/markup-compatibility/2006" xmlns:p14="http://schemas.microsoft.com/office/powerpoint/2010/main" xmlns:p15="http://schemas.microsoft.com/office/powerpoint/2012/main" xmlns:pr="smNativeData" xmlns="smNativeData" val="SMDATA_16_xzE7ZxMAAAAlAAAAZAAAAA0AAAAAkAAAAEgAAACQAAAASAAAAAAAAAABAAAAAAAAAAEAAABQAAAAAAAAAAAA4D8AAAAAAADgPwAAAAAAAOA/AAAAAAAA4D8AAAAAAADgPwAAAAAAAOA/AAAAAAAA4D8AAAAAAADgPwAAAAAAAOA/AAAAAAAA4D8CAAAAjAAAAAAAAAAAAAAARHLEDP///wgAAAAAAAAAAAAAAAAAAAAAAAAAAAAAAAAAAAAAZAAAAAEAAABAAAAAAAAAAAAAAAAAAAAAAAAAAAAAAAAAAAAAAAAAAAAAAAAAAAAAAAAAAAAAAAAAAAAAAAAAAAAAAAAAAAAAAAAAAAAAAAAAAAAAAAAAAAAAAAAAAAAAFAAAADwAAAAAAAAAAAAAAAAAAAkUAAAAAQAAABQAAAAUAAAAFAAAAAEAAAAAAAAAZAAAAGQAAAAAAAAAZAAAAGQAAAAVAAAAYAAAAAAAAAAAAAAADwAAACADAAAAAAAAAAAAAAEAAACgMgAAVgcAAKr4//8BAAAAf39/AAEAAABkAAAAAAAAABQAAABAHwAAAAAAACYAAAAAAAAAwOD//wAAAAAmAAAAZAAAABYAAABMAAAAAAAAAAAAAAAEAAAAAAAAAAEAAADn5uYKAAAAACgAAAAoAAAAZAAAAGQAAAAAAAAAzMzMAAAAAABQAAAAUAAAAGQAAABkAAAAAAAAABcAAAAUAAAAAAAAAAAAAAD/fwAA/38AAAAAAAAJAAAABAAAAAFuTT0eAAAAaAAAAAAAAAAAAAAAAAAAAAAAAAAAAAAAECcAABAnAAAAAAAAAAAAAAAAAAAAAAAAAAAAAAAAAAAAAAAAAAAAABQAAAAAAAAAwMD/AAAAAABkAAAAMgAAAAAAAABkAAAAAAAAAH9/fwAKAAAAIgAAABgAAAAAAAAAAAAAAAAAAAAAAAAAAAAAAAAAAAAkAAAAJAAAAAAAAAAHAAAAAAAAAAAAAAAAAAAAAAAAAAAAAAAAAAAAf39/ACUAAABYAAAAAAAAAAAAAAAAAAAAAAAAAAAAAAAAAAAAAAAAAAAAAAAAAAAAAAAAAAAAAAA/AAAAAAAAAKCGAQAAAAAAAAAAAAAAAAAMAAAAAQAAAAAAAAAAAAAAAAAAAB8AAABUAAAAAAAABQAAAAEAAAAAAAAAAAAAAAAAAAAAAAAAAAAAAAAAAAAAAAAAAAAAAAJ/f38AAAAAA8zMzADAwP8Af39/AAAAAAAAAAAAAAAAAAAAAAAAAAAAIQAAABgAAAAUAAAAKAUAAD8CAADYRQAAZwoAABAAAAAmAAAACAAAAAAAAAAAAAAAMAAAABQAAAAAAAAAAAD//wAAAQAAAP//AAABAA=="/>
               </a:ext>
             </a:extLst>
           </p:cNvSpPr>
@@ -2740,7 +2578,7 @@
             <a:spLocks noGrp="1" noChangeArrowheads="1"/>
             <a:extLst>
               <a:ext uri="smNativeData">
-                <pr:smNativeData xmlns:pr="smNativeData" xmlns="smNativeData" val="SMDATA_16_xzE7ZxMAAAAlAAAAZAAAAA0AAAAAkAAAAEgAAACQAAAASAAAAAAAAAAAAAAAAAAAAAEAAABQAAAAAAAAAAAA4D8AAAAAAADgPwAAAAAAAOA/AAAAAAAA4D8AAAAAAADgPwAAAAAAAOA/AAAAAAAA4D8AAAAAAADgPwAAAAAAAOA/AAAAAAAA4D8CAAAAjAAAAAAAAAAAAAAARHLEDP///wgAAAAAAAAAAAAAAAAAAAAAAAAAAAAAAAAAAAAAZAAAAAEAAABAAAAAAAAAAAAAAAAAAAAAAAAAAAAAAAAAAAAAAAAAAAAAAAAAAAAAAAAAAAAAAAAAAAAAAAAAAAAAAAAAAAAAAAAAAAAAAAAAAAAAAAAAAAAAAAAAAAAAFAAAADwAAAAAAAAAAAAAAAAAAAkUAAAAAQAAABQAAAAUAAAAFAAAAAEAAAAAAAAAZAAAAGQAAAAAAAAAZAAAAGQAAAAVAAAAYAAAAAAAAAAAAAAADwAAACADAAAAAAAAAAAAAAEAAACgMgAAVgcAAKr4//8BAAAAf39/AAEAAABkAAAAAAAAABQAAABAHwAAAAAAACYAAAAAAAAAwOD//wAAAAAmAAAAZAAAABYAAABMAAAAAAAAAAAAAAAEAAAAAAAAAAEAAADn5uYKAAAAACgAAAAoAAAAZAAAAGQAAAAAAAAAzMzMAAAAAABQAAAAUAAAAGQAAABkAAAAAAAAABcAAAAUAAAAAAAAAAAAAAD/fwAA/38AAAAAAAAJAAAABAAAAODUY0AeAAAAaAAAAAAAAAAAAAAAAAAAAAAAAAAAAAAAECcAABAnAAAAAAAAAAAAAAAAAAAAAAAAAAAAAAAAAAAAAAAAAAAAABQAAAAAAAAAwMD/AAAAAABkAAAAMgAAAAAAAABkAAAAAAAAAH9/fwAKAAAAIgAAABgAAAAAAAAAAAAAAAAAAAAAAAAAAAAAAAAAAAAkAAAAJAAAAAAAAAAHAAAAAAAAAAAAAAAAAAAAAAAAAAAAAAAAAAAAf39/ACUAAABYAAAAAAAAAAAAAAAAAAAAAAAAAAAAAAAAAAAAAAAAAAAAAAAAAAAAAAAAAAAAAAA/AAAAAAAAAKCGAQAAAAAAAAAAAAAAAAAMAAAAAQAAAAAAAAAAAAAAAAAAAB8AAABUAAAAAAAABQAAAAEAAAAAAAAAAAAAAAAAAAAAAAAAAAAAAAAAAAAAAAAAAAAAAAJ/f38AAAAAA8zMzADAwP8Af39/AAAAAAAAAAAAAAAAAAAAAAAAAAAAIQAAABgAAAAUAAAAKAUAADsLAAAIJQAAACYAABAAAAAmAAAACAAAAAEAAAAAAAAAMAAAABQAAAAAAAAAAAD//wAAAQAAAP//AAABAA=="/>
+                <pr:smNativeData xmlns:mc="http://schemas.openxmlformats.org/markup-compatibility/2006" xmlns:p14="http://schemas.microsoft.com/office/powerpoint/2010/main" xmlns:p15="http://schemas.microsoft.com/office/powerpoint/2012/main" xmlns:pr="smNativeData" xmlns="smNativeData" val="SMDATA_16_xzE7ZxMAAAAlAAAAZAAAAA0AAAAAkAAAAEgAAACQAAAASAAAAAAAAAAAAAAAAAAAAAEAAABQAAAAAAAAAAAA4D8AAAAAAADgPwAAAAAAAOA/AAAAAAAA4D8AAAAAAADgPwAAAAAAAOA/AAAAAAAA4D8AAAAAAADgPwAAAAAAAOA/AAAAAAAA4D8CAAAAjAAAAAAAAAAAAAAARHLEDP///wgAAAAAAAAAAAAAAAAAAAAAAAAAAAAAAAAAAAAAZAAAAAEAAABAAAAAAAAAAAAAAAAAAAAAAAAAAAAAAAAAAAAAAAAAAAAAAAAAAAAAAAAAAAAAAAAAAAAAAAAAAAAAAAAAAAAAAAAAAAAAAAAAAAAAAAAAAAAAAAAAAAAAFAAAADwAAAAAAAAAAAAAAAAAAAkUAAAAAQAAABQAAAAUAAAAFAAAAAEAAAAAAAAAZAAAAGQAAAAAAAAAZAAAAGQAAAAVAAAAYAAAAAAAAAAAAAAADwAAACADAAAAAAAAAAAAAAEAAACgMgAAVgcAAKr4//8BAAAAf39/AAEAAABkAAAAAAAAABQAAABAHwAAAAAAACYAAAAAAAAAwOD//wAAAAAmAAAAZAAAABYAAABMAAAAAAAAAAAAAAAEAAAAAAAAAAEAAADn5uYKAAAAACgAAAAoAAAAZAAAAGQAAAAAAAAAzMzMAAAAAABQAAAAUAAAAGQAAABkAAAAAAAAABcAAAAUAAAAAAAAAAAAAAD/fwAA/38AAAAAAAAJAAAABAAAAODUY0AeAAAAaAAAAAAAAAAAAAAAAAAAAAAAAAAAAAAAECcAABAnAAAAAAAAAAAAAAAAAAAAAAAAAAAAAAAAAAAAAAAAAAAAABQAAAAAAAAAwMD/AAAAAABkAAAAMgAAAAAAAABkAAAAAAAAAH9/fwAKAAAAIgAAABgAAAAAAAAAAAAAAAAAAAAAAAAAAAAAAAAAAAAkAAAAJAAAAAAAAAAHAAAAAAAAAAAAAAAAAAAAAAAAAAAAAAAAAAAAf39/ACUAAABYAAAAAAAAAAAAAAAAAAAAAAAAAAAAAAAAAAAAAAAAAAAAAAAAAAAAAAAAAAAAAAA/AAAAAAAAAKCGAQAAAAAAAAAAAAAAAAAMAAAAAQAAAAAAAAAAAAAAAAAAAB8AAABUAAAAAAAABQAAAAEAAAAAAAAAAAAAAAAAAAAAAAAAAAAAAAAAAAAAAAAAAAAAAAJ/f38AAAAAA8zMzADAwP8Af39/AAAAAAAAAAAAAAAAAAAAAAAAAAAAIQAAABgAAAAUAAAAKAUAADsLAAAIJQAAACYAABAAAAAmAAAACAAAAAEAAAAAAAAAMAAAABQAAAAAAAAAAAD//wAAAQAAAP//AAABAA=="/>
               </a:ext>
             </a:extLst>
           </p:cNvSpPr>
@@ -2806,7 +2644,7 @@
             <a:spLocks noGrp="1" noChangeArrowheads="1"/>
             <a:extLst>
               <a:ext uri="smNativeData">
-                <pr:smNativeData xmlns:pr="smNativeData" xmlns="smNativeData" val="SMDATA_16_xzE7ZxMAAAAlAAAAZAAAAA0AAAAAkAAAAEgAAACQAAAASAAAAAAAAAAAAAAAAAAAAAEAAABQAAAAAAAAAAAA4D8AAAAAAADgPwAAAAAAAOA/AAAAAAAA4D8AAAAAAADgPwAAAAAAAOA/AAAAAAAA4D8AAAAAAADgPwAAAAAAAOA/AAAAAAAA4D8CAAAAjAAAAAAAAAAAAAAARHLEDP///wgAAAAAAAAAAAAAAAAAAAAAAAAAAAAAAAAAAAAAZAAAAAEAAABAAAAAAAAAAAAAAAAAAAAAAAAAAAAAAAAAAAAAAAAAAAAAAAAAAAAAAAAAAAAAAAAAAAAAAAAAAAAAAAAAAAAAAAAAAAAAAAAAAAAAAAAAAAAAAAAAAAAAFAAAADwAAAAAAAAAAAAAAAAAAAkUAAAAAQAAABQAAAAUAAAAFAAAAAEAAAAAAAAAZAAAAGQAAAAAAAAAZAAAAGQAAAAVAAAAYAAAAAAAAAAAAAAADwAAACADAAAAAAAAAAAAAAEAAACgMgAAVgcAAKr4//8BAAAAf39/AAEAAABkAAAAAAAAABQAAABAHwAAAAAAACYAAAAAAAAAwOD//wAAAAAmAAAAZAAAABYAAABMAAAAAAAAAAAAAAAEAAAAAAAAAAEAAADn5uYKAAAAACgAAAAoAAAAZAAAAGQAAAAAAAAAzMzMAAAAAABQAAAAUAAAAGQAAABkAAAAAAAAABcAAAAUAAAAAAAAAAAAAAD/fwAA/38AAAAAAAAJAAAABAAAAAAAAAAeAAAAaAAAAAAAAAAAAAAAAAAAAAAAAAAAAAAAECcAABAnAAAAAAAAAAAAAAAAAAAAAAAAAAAAAAAAAAAAAAAAAAAAABQAAAAAAAAAwMD/AAAAAABkAAAAMgAAAAAAAABkAAAAAAAAAH9/fwAKAAAAIgAAABgAAAAAAAAAAAAAAAAAAAAAAAAAAAAAAAAAAAAkAAAAJAAAAAAAAAAHAAAAAAAAAAAAAAAAAAAAAAAAAAAAAAAAAAAAf39/ACUAAABYAAAAAAAAAAAAAAAAAAAAAAAAAAAAAAAAAAAAAAAAAAAAAAAAAAAAAAAAAAAAAAA/AAAAAAAAAKCGAQAAAAAAAAAAAAAAAAAMAAAAAQAAAAAAAAAAAAAAAAAAAB8AAABUAAAAAAAABQAAAAEAAAAAAAAAAAAAAAAAAAAAAAAAAAAAAAAAAAAAAAAAAAAAAAJ/f38AAAAAA8zMzADAwP8Af39/AAAAAAAAAAAAAAAAAAAAAAAAAAAAIQAAABgAAAAUAAAA+CUAADsLAADYRQAAACYAABAAAAAmAAAACAAAAAEAAAAAAAAAMAAAABQAAAAAAAAAAAD//wAAAQAAAP//AAABAA=="/>
+                <pr:smNativeData xmlns:mc="http://schemas.openxmlformats.org/markup-compatibility/2006" xmlns:p14="http://schemas.microsoft.com/office/powerpoint/2010/main" xmlns:p15="http://schemas.microsoft.com/office/powerpoint/2012/main" xmlns:pr="smNativeData" xmlns="smNativeData" val="SMDATA_16_xzE7ZxMAAAAlAAAAZAAAAA0AAAAAkAAAAEgAAACQAAAASAAAAAAAAAAAAAAAAAAAAAEAAABQAAAAAAAAAAAA4D8AAAAAAADgPwAAAAAAAOA/AAAAAAAA4D8AAAAAAADgPwAAAAAAAOA/AAAAAAAA4D8AAAAAAADgPwAAAAAAAOA/AAAAAAAA4D8CAAAAjAAAAAAAAAAAAAAARHLEDP///wgAAAAAAAAAAAAAAAAAAAAAAAAAAAAAAAAAAAAAZAAAAAEAAABAAAAAAAAAAAAAAAAAAAAAAAAAAAAAAAAAAAAAAAAAAAAAAAAAAAAAAAAAAAAAAAAAAAAAAAAAAAAAAAAAAAAAAAAAAAAAAAAAAAAAAAAAAAAAAAAAAAAAFAAAADwAAAAAAAAAAAAAAAAAAAkUAAAAAQAAABQAAAAUAAAAFAAAAAEAAAAAAAAAZAAAAGQAAAAAAAAAZAAAAGQAAAAVAAAAYAAAAAAAAAAAAAAADwAAACADAAAAAAAAAAAAAAEAAACgMgAAVgcAAKr4//8BAAAAf39/AAEAAABkAAAAAAAAABQAAABAHwAAAAAAACYAAAAAAAAAwOD//wAAAAAmAAAAZAAAABYAAABMAAAAAAAAAAAAAAAEAAAAAAAAAAEAAADn5uYKAAAAACgAAAAoAAAAZAAAAGQAAAAAAAAAzMzMAAAAAABQAAAAUAAAAGQAAABkAAAAAAAAABcAAAAUAAAAAAAAAAAAAAD/fwAA/38AAAAAAAAJAAAABAAAAAAAAAAeAAAAaAAAAAAAAAAAAAAAAAAAAAAAAAAAAAAAECcAABAnAAAAAAAAAAAAAAAAAAAAAAAAAAAAAAAAAAAAAAAAAAAAABQAAAAAAAAAwMD/AAAAAABkAAAAMgAAAAAAAABkAAAAAAAAAH9/fwAKAAAAIgAAABgAAAAAAAAAAAAAAAAAAAAAAAAAAAAAAAAAAAAkAAAAJAAAAAAAAAAHAAAAAAAAAAAAAAAAAAAAAAAAAAAAAAAAAAAAf39/ACUAAABYAAAAAAAAAAAAAAAAAAAAAAAAAAAAAAAAAAAAAAAAAAAAAAAAAAAAAAAAAAAAAAA/AAAAAAAAAKCGAQAAAAAAAAAAAAAAAAAMAAAAAQAAAAAAAAAAAAAAAAAAAB8AAABUAAAAAAAABQAAAAEAAAAAAAAAAAAAAAAAAAAAAAAAAAAAAAAAAAAAAAAAAAAAAAJ/f38AAAAAA8zMzADAwP8Af39/AAAAAAAAAAAAAAAAAAAAAAAAAAAAIQAAABgAAAAUAAAA+CUAADsLAADYRQAAACYAABAAAAAmAAAACAAAAAEAAAAAAAAAMAAAABQAAAAAAAAAAAD//wAAAQAAAP//AAABAA=="/>
               </a:ext>
             </a:extLst>
           </p:cNvSpPr>
@@ -2872,7 +2710,7 @@
             <a:spLocks noGrp="1" noChangeArrowheads="1"/>
             <a:extLst>
               <a:ext uri="smNativeData">
-                <pr:smNativeData xmlns:pr="smNativeData" xmlns="smNativeData" val="SMDATA_16_xzE7ZxMAAAAlAAAAZAAAAA0AAAAAkAAAAEgAAACQAAAASAAAAAAAAAABAAAAAAAAAAEAAABQAAAAAAAAAAAA4D8AAAAAAADgPwAAAAAAAOA/AAAAAAAA4D8AAAAAAADgPwAAAAAAAOA/AAAAAAAA4D8AAAAAAADgPwAAAAAAAOA/AAAAAAAA4D8CAAAAjAAAAAAAAAAAAAAARHLEDP///wgAAAAAAAAAAAAAAAAAAAAAAAAAAAAAAAAAAAAAZAAAAAEAAABAAAAAAAAAAAAAAAAAAAAAAAAAAAAAAAAAAAAAAAAAAAAAAAAAAAAAAAAAAAAAAAAAAAAAAAAAAAAAAAAAAAAAAAAAAAAAAAAAAAAAAAAAAAAAAAAAAAAAFAAAADwAAAAAAAAAAAAAAAAAAAkUAAAAAQAAABQAAAAUAAAAFAAAAAEAAAAAAAAAZAAAAGQAAAAAAAAAZAAAAGQAAAAVAAAAYAAAAAAAAAAAAAAADwAAACADAAAAAAAAAAAAAAEAAACgMgAAVgcAAKr4//8BAAAAf39/AAEAAABkAAAAAAAAABQAAABAHwAAAAAAACYAAAAAAAAAwOD//wAAAAAmAAAAZAAAABYAAABMAAAAAAAAAAAAAAAEAAAAAAAAAAEAAADn5uYKAAAAACgAAAAoAAAAZAAAAGQAAAAAAAAAzMzMAAAAAABQAAAAUAAAAGQAAABkAAAAAAAAABcAAAAUAAAAAAAAAAAAAAD/fwAA/38AAAAAAAAJAAAABAAAAGYo8TweAAAAaAAAAAAAAAAAAAAAAAAAAAAAAAAAAAAAECcAABAnAAAAAAAAAAAAAAAAAAAAAAAAAAAAAAAAAAAAAAAAAAAAABQAAAAAAAAAwMD/AAAAAABkAAAAMgAAAAAAAABkAAAAAAAAAH9/fwAKAAAAIgAAABgAAAAAAAAAAAAAAAAAAAAAAAAAAAAAAAAAAAAkAAAAJAAAAAAAAAAHAAAAAAAAAAAAAAAAAAAAAAAAAAAAAAAAAAAAf39/ACUAAABYAAAAAAAAAAAAAAAAAAAAAAAAAAAAAAAAAAAAAAAAAAAAAAAAAAAAAAAAAAAAAAA/AAAAAAAAAKCGAQAAAAAAAAAAAAAAAAAMAAAAAQAAAAAAAAAAAAAAAAAAAB8AAABUAAAAAAAABQAAAAEAAAAAAAAAAAAAAAAAAAAAAAAAAAAAAAAAAAAAAAAAAAAAAAJ/f38AAAAAA8zMzADAwP8Af39/AAAAAAAAAAAAAAAAAAAAAAAAAAAAIQAAABgAAAAUAAAAKAUAABonAAAIFgAAWSkAABAAAAAmAAAACAAAAAAAAAAAAAAAMAAAABQAAAAAAAAAAAD//wAAAQAAAP//AAABAA=="/>
+                <pr:smNativeData xmlns:mc="http://schemas.openxmlformats.org/markup-compatibility/2006" xmlns:p14="http://schemas.microsoft.com/office/powerpoint/2010/main" xmlns:p15="http://schemas.microsoft.com/office/powerpoint/2012/main" xmlns:pr="smNativeData" xmlns="smNativeData" val="SMDATA_16_xzE7ZxMAAAAlAAAAZAAAAA0AAAAAkAAAAEgAAACQAAAASAAAAAAAAAABAAAAAAAAAAEAAABQAAAAAAAAAAAA4D8AAAAAAADgPwAAAAAAAOA/AAAAAAAA4D8AAAAAAADgPwAAAAAAAOA/AAAAAAAA4D8AAAAAAADgPwAAAAAAAOA/AAAAAAAA4D8CAAAAjAAAAAAAAAAAAAAARHLEDP///wgAAAAAAAAAAAAAAAAAAAAAAAAAAAAAAAAAAAAAZAAAAAEAAABAAAAAAAAAAAAAAAAAAAAAAAAAAAAAAAAAAAAAAAAAAAAAAAAAAAAAAAAAAAAAAAAAAAAAAAAAAAAAAAAAAAAAAAAAAAAAAAAAAAAAAAAAAAAAAAAAAAAAFAAAADwAAAAAAAAAAAAAAAAAAAkUAAAAAQAAABQAAAAUAAAAFAAAAAEAAAAAAAAAZAAAAGQAAAAAAAAAZAAAAGQAAAAVAAAAYAAAAAAAAAAAAAAADwAAACADAAAAAAAAAAAAAAEAAACgMgAAVgcAAKr4//8BAAAAf39/AAEAAABkAAAAAAAAABQAAABAHwAAAAAAACYAAAAAAAAAwOD//wAAAAAmAAAAZAAAABYAAABMAAAAAAAAAAAAAAAEAAAAAAAAAAEAAADn5uYKAAAAACgAAAAoAAAAZAAAAGQAAAAAAAAAzMzMAAAAAABQAAAAUAAAAGQAAABkAAAAAAAAABcAAAAUAAAAAAAAAAAAAAD/fwAA/38AAAAAAAAJAAAABAAAAGYo8TweAAAAaAAAAAAAAAAAAAAAAAAAAAAAAAAAAAAAECcAABAnAAAAAAAAAAAAAAAAAAAAAAAAAAAAAAAAAAAAAAAAAAAAABQAAAAAAAAAwMD/AAAAAABkAAAAMgAAAAAAAABkAAAAAAAAAH9/fwAKAAAAIgAAABgAAAAAAAAAAAAAAAAAAAAAAAAAAAAAAAAAAAAkAAAAJAAAAAAAAAAHAAAAAAAAAAAAAAAAAAAAAAAAAAAAAAAAAAAAf39/ACUAAABYAAAAAAAAAAAAAAAAAAAAAAAAAAAAAAAAAAAAAAAAAAAAAAAAAAAAAAAAAAAAAAA/AAAAAAAAAKCGAQAAAAAAAAAAAAAAAAAMAAAAAQAAAAAAAAAAAAAAAAAAAB8AAABUAAAAAAAABQAAAAEAAAAAAAAAAAAAAAAAAAAAAAAAAAAAAAAAAAAAAAAAAAAAAAJ/f38AAAAAA8zMzADAwP8Af39/AAAAAAAAAAAAAAAAAAAAAAAAAAAAIQAAABgAAAAUAAAAKAUAABonAAAIFgAAWSkAABAAAAAmAAAACAAAAAAAAAAAAAAAMAAAABQAAAAAAAAAAAD//wAAAQAAAP//AAABAA=="/>
               </a:ext>
             </a:extLst>
           </p:cNvSpPr>
@@ -2889,8 +2727,9 @@
               <a:defRPr lang="ru-ru"/>
             </a:pPr>
             <a:fld id="{3BC5B6D3-9DD6-9040-987D-6B15F8336E3E}" type="datetime1">
-              <a:t>18.11.2024</a:t>
+              <a:t>20.11.2024</a:t>
             </a:fld>
+            <a:endParaRPr/>
           </a:p>
         </p:txBody>
       </p:sp>
@@ -2901,7 +2740,7 @@
             <a:spLocks noGrp="1" noChangeArrowheads="1"/>
             <a:extLst>
               <a:ext uri="smNativeData">
-                <pr:smNativeData xmlns:pr="smNativeData" xmlns="smNativeData" val="SMDATA_16_xzE7ZxMAAAAlAAAAZAAAAA0AAAAAkAAAAEgAAACQAAAASAAAAAAAAAABAAAAAAAAAAEAAABQAAAAAAAAAAAA4D8AAAAAAADgPwAAAAAAAOA/AAAAAAAA4D8AAAAAAADgPwAAAAAAAOA/AAAAAAAA4D8AAAAAAADgPwAAAAAAAOA/AAAAAAAA4D8CAAAAjAAAAAAAAAAAAAAARHLEDP///wgAAAAAAAAAAAAAAAAAAAAAAAAAAAAAAAAAAAAAZAAAAAEAAABAAAAAAAAAAAAAAAAAAAAAAAAAAAAAAAAAAAAAAAAAAAAAAAAAAAAAAAAAAAAAAAAAAAAAAAAAAAAAAAAAAAAAAAAAAAAAAAAAAAAAAAAAAAAAAAAAAAAAFAAAADwAAAAAAAAAAAAAAAAAAAkUAAAAAQAAABQAAAAUAAAAFAAAAAEAAAAAAAAAZAAAAGQAAAAAAAAAZAAAAGQAAAAVAAAAYAAAAAAAAAAAAAAADwAAACADAAAAAAAAAAAAAAEAAACgMgAAVgcAAKr4//8BAAAAf39/AAEAAABkAAAAAAAAABQAAABAHwAAAAAAACYAAAAAAAAAwOD//wAAAAAmAAAAZAAAABYAAABMAAAAAAAAAAAAAAAEAAAAAAAAAAEAAADn5uYKAAAAACgAAAAoAAAAZAAAAGQAAAAAAAAAzMzMAAAAAABQAAAAUAAAAGQAAABkAAAAAAAAABcAAAAUAAAAAAAAAAAAAAD/fwAA/38AAAAAAAAJAAAABAAAAAAAAAAeAAAAaAAAAAAAAAAAAAAAAAAAAAAAAAAAAAAAECcAABAnAAAAAAAAAAAAAAAAAAAAAAAAAAAAAAAAAAAAAAAAAAAAABQAAAAAAAAAwMD/AAAAAABkAAAAMgAAAAAAAABkAAAAAAAAAH9/fwAKAAAAIgAAABgAAAAAAAAAAAAAAAAAAAAAAAAAAAAAAAAAAAAkAAAAJAAAAAAAAAAHAAAAAAAAAAAAAAAAAAAAAAAAAAAAAAAAAAAAf39/ACUAAABYAAAAAAAAAAAAAAAAAAAAAAAAAAAAAAAAAAAAAAAAAAAAAAAAAAAAAAAAAAAAAAA/AAAAAAAAAKCGAQAAAAAAAAAAAAAAAAAMAAAAAQAAAAAAAAAAAAAAAAAAAB8AAABUAAAAAAAABQAAAAEAAAAAAAAAAAAAAAAAAAAAAAAAAAAAAAAAAAAAAAAAAAAAAAJ/f38AAAAAA8zMzADAwP8Af39/AAAAAAAAAAAAAAAAAAAAAAAAAAAAIQAAABgAAAAUAAAA2BgAABonAAAoMgAAWSkAABAAAAAmAAAACAAAAAAAAAAAAAAAMAAAABQAAAAAAAAAAAD//wAAAQAAAP//AAABAA=="/>
+                <pr:smNativeData xmlns:mc="http://schemas.openxmlformats.org/markup-compatibility/2006" xmlns:p14="http://schemas.microsoft.com/office/powerpoint/2010/main" xmlns:p15="http://schemas.microsoft.com/office/powerpoint/2012/main" xmlns:pr="smNativeData" xmlns="smNativeData" val="SMDATA_16_xzE7ZxMAAAAlAAAAZAAAAA0AAAAAkAAAAEgAAACQAAAASAAAAAAAAAABAAAAAAAAAAEAAABQAAAAAAAAAAAA4D8AAAAAAADgPwAAAAAAAOA/AAAAAAAA4D8AAAAAAADgPwAAAAAAAOA/AAAAAAAA4D8AAAAAAADgPwAAAAAAAOA/AAAAAAAA4D8CAAAAjAAAAAAAAAAAAAAARHLEDP///wgAAAAAAAAAAAAAAAAAAAAAAAAAAAAAAAAAAAAAZAAAAAEAAABAAAAAAAAAAAAAAAAAAAAAAAAAAAAAAAAAAAAAAAAAAAAAAAAAAAAAAAAAAAAAAAAAAAAAAAAAAAAAAAAAAAAAAAAAAAAAAAAAAAAAAAAAAAAAAAAAAAAAFAAAADwAAAAAAAAAAAAAAAAAAAkUAAAAAQAAABQAAAAUAAAAFAAAAAEAAAAAAAAAZAAAAGQAAAAAAAAAZAAAAGQAAAAVAAAAYAAAAAAAAAAAAAAADwAAACADAAAAAAAAAAAAAAEAAACgMgAAVgcAAKr4//8BAAAAf39/AAEAAABkAAAAAAAAABQAAABAHwAAAAAAACYAAAAAAAAAwOD//wAAAAAmAAAAZAAAABYAAABMAAAAAAAAAAAAAAAEAAAAAAAAAAEAAADn5uYKAAAAACgAAAAoAAAAZAAAAGQAAAAAAAAAzMzMAAAAAABQAAAAUAAAAGQAAABkAAAAAAAAABcAAAAUAAAAAAAAAAAAAAD/fwAA/38AAAAAAAAJAAAABAAAAAAAAAAeAAAAaAAAAAAAAAAAAAAAAAAAAAAAAAAAAAAAECcAABAnAAAAAAAAAAAAAAAAAAAAAAAAAAAAAAAAAAAAAAAAAAAAABQAAAAAAAAAwMD/AAAAAABkAAAAMgAAAAAAAABkAAAAAAAAAH9/fwAKAAAAIgAAABgAAAAAAAAAAAAAAAAAAAAAAAAAAAAAAAAAAAAkAAAAJAAAAAAAAAAHAAAAAAAAAAAAAAAAAAAAAAAAAAAAAAAAAAAAf39/ACUAAABYAAAAAAAAAAAAAAAAAAAAAAAAAAAAAAAAAAAAAAAAAAAAAAAAAAAAAAAAAAAAAAA/AAAAAAAAAKCGAQAAAAAAAAAAAAAAAAAMAAAAAQAAAAAAAAAAAAAAAAAAAB8AAABUAAAAAAAABQAAAAEAAAAAAAAAAAAAAAAAAAAAAAAAAAAAAAAAAAAAAAAAAAAAAAJ/f38AAAAAA8zMzADAwP8Af39/AAAAAAAAAAAAAAAAAAAAAAAAAAAAIQAAABgAAAAUAAAA2BgAABonAAAoMgAAWSkAABAAAAAmAAAACAAAAAAAAAAAAAAAMAAAABQAAAAAAAAAAAD//wAAAQAAAP//AAABAA=="/>
               </a:ext>
             </a:extLst>
           </p:cNvSpPr>
@@ -2917,6 +2756,7 @@
             <a:pPr>
               <a:defRPr lang="ru-ru"/>
             </a:pPr>
+            <a:endParaRPr/>
           </a:p>
         </p:txBody>
       </p:sp>
@@ -2927,7 +2767,7 @@
             <a:spLocks noGrp="1" noChangeArrowheads="1"/>
             <a:extLst>
               <a:ext uri="smNativeData">
-                <pr:smNativeData xmlns:pr="smNativeData" xmlns="smNativeData" val="SMDATA_16_xzE7ZxMAAAAlAAAAZAAAAA0AAAAAkAAAAEgAAACQAAAASAAAAAAAAAABAAAAAAAAAAEAAABQAAAAAAAAAAAA4D8AAAAAAADgPwAAAAAAAOA/AAAAAAAA4D8AAAAAAADgPwAAAAAAAOA/AAAAAAAA4D8AAAAAAADgPwAAAAAAAOA/AAAAAAAA4D8CAAAAjAAAAAAAAAAAAAAARHLEDP///wgAAAAAAAAAAAAAAAAAAAAAAAAAAAAAAAAAAAAAZAAAAAEAAABAAAAAAAAAAAAAAAAAAAAAAAAAAAAAAAAAAAAAAAAAAAAAAAAAAAAAAAAAAAAAAAAAAAAAAAAAAAAAAAAAAAAAAAAAAAAAAAAAAAAAAAAAAAAAAAAAAAAAFAAAADwAAAAAAAAAAAAAAAAAAAkUAAAAAQAAABQAAAAUAAAAFAAAAAEAAAAAAAAAZAAAAGQAAAAAAAAAZAAAAGQAAAAVAAAAYAAAAAAAAAAAAAAADwAAACADAAAAAAAAAAAAAAEAAACgMgAAVgcAAKr4//8BAAAAf39/AAEAAABkAAAAAAAAABQAAABAHwAAAAAAACYAAAAAAAAAwOD//wAAAAAmAAAAZAAAABYAAABMAAAAAAAAAAAAAAAEAAAAAAAAAAEAAADn5uYKAAAAACgAAAAoAAAAZAAAAGQAAAAAAAAAzMzMAAAAAABQAAAAUAAAAGQAAABkAAAAAAAAABcAAAAUAAAAAAAAAAAAAAD/fwAA/38AAAAAAAAJAAAABAAAAAAAAAAeAAAAaAAAAAAAAAAAAAAAAAAAAAAAAAAAAAAAECcAABAnAAAAAAAAAAAAAAAAAAAAAAAAAAAAAAAAAAAAAAAAAAAAABQAAAAAAAAAwMD/AAAAAABkAAAAMgAAAAAAAABkAAAAAAAAAH9/fwAKAAAAIgAAABgAAAAAAAAAAAAAAAAAAAAAAAAAAAAAAAAAAAAkAAAAJAAAAAAAAAAHAAAAAAAAAAAAAAAAAAAAAAAAAAAAAAAAAAAAf39/ACUAAABYAAAAAAAAAAAAAAAAAAAAAAAAAAAAAAAAAAAAAAAAAAAAAAAAAAAAAAAAAAAAAAA/AAAAAAAAAKCGAQAAAAAAAAAAAAAAAAAMAAAAAQAAAAAAAAAAAAAAAAAAAB8AAABUAAAAAAAABQAAAAEAAAAAAAAAAAAAAAAAAAAAAAAAAAAAAAAAAAAAAAAAAAAAAAJ/f38AAAAAA8zMzADAwP8Af39/AAAAAAAAAAAAAAAAAAAAAAAAAAAAIQAAABgAAAAUAAAA+DQAABonAADYRQAAWSkAABAAAAAmAAAACAAAAAAAAAAAAAAAMAAAABQAAAAAAAAAAAD//wAAAQAAAP//AAABAA=="/>
+                <pr:smNativeData xmlns:mc="http://schemas.openxmlformats.org/markup-compatibility/2006" xmlns:p14="http://schemas.microsoft.com/office/powerpoint/2010/main" xmlns:p15="http://schemas.microsoft.com/office/powerpoint/2012/main" xmlns:pr="smNativeData" xmlns="smNativeData" val="SMDATA_16_xzE7ZxMAAAAlAAAAZAAAAA0AAAAAkAAAAEgAAACQAAAASAAAAAAAAAABAAAAAAAAAAEAAABQAAAAAAAAAAAA4D8AAAAAAADgPwAAAAAAAOA/AAAAAAAA4D8AAAAAAADgPwAAAAAAAOA/AAAAAAAA4D8AAAAAAADgPwAAAAAAAOA/AAAAAAAA4D8CAAAAjAAAAAAAAAAAAAAARHLEDP///wgAAAAAAAAAAAAAAAAAAAAAAAAAAAAAAAAAAAAAZAAAAAEAAABAAAAAAAAAAAAAAAAAAAAAAAAAAAAAAAAAAAAAAAAAAAAAAAAAAAAAAAAAAAAAAAAAAAAAAAAAAAAAAAAAAAAAAAAAAAAAAAAAAAAAAAAAAAAAAAAAAAAAFAAAADwAAAAAAAAAAAAAAAAAAAkUAAAAAQAAABQAAAAUAAAAFAAAAAEAAAAAAAAAZAAAAGQAAAAAAAAAZAAAAGQAAAAVAAAAYAAAAAAAAAAAAAAADwAAACADAAAAAAAAAAAAAAEAAACgMgAAVgcAAKr4//8BAAAAf39/AAEAAABkAAAAAAAAABQAAABAHwAAAAAAACYAAAAAAAAAwOD//wAAAAAmAAAAZAAAABYAAABMAAAAAAAAAAAAAAAEAAAAAAAAAAEAAADn5uYKAAAAACgAAAAoAAAAZAAAAGQAAAAAAAAAzMzMAAAAAABQAAAAUAAAAGQAAABkAAAAAAAAABcAAAAUAAAAAAAAAAAAAAD/fwAA/38AAAAAAAAJAAAABAAAAAAAAAAeAAAAaAAAAAAAAAAAAAAAAAAAAAAAAAAAAAAAECcAABAnAAAAAAAAAAAAAAAAAAAAAAAAAAAAAAAAAAAAAAAAAAAAABQAAAAAAAAAwMD/AAAAAABkAAAAMgAAAAAAAABkAAAAAAAAAH9/fwAKAAAAIgAAABgAAAAAAAAAAAAAAAAAAAAAAAAAAAAAAAAAAAAkAAAAJAAAAAAAAAAHAAAAAAAAAAAAAAAAAAAAAAAAAAAAAAAAAAAAf39/ACUAAABYAAAAAAAAAAAAAAAAAAAAAAAAAAAAAAAAAAAAAAAAAAAAAAAAAAAAAAAAAAAAAAA/AAAAAAAAAKCGAQAAAAAAAAAAAAAAAAAMAAAAAQAAAAAAAAAAAAAAAAAAAB8AAABUAAAAAAAABQAAAAEAAAAAAAAAAAAAAAAAAAAAAAAAAAAAAAAAAAAAAAAAAAAAAAJ/f38AAAAAA8zMzADAwP8Af39/AAAAAAAAAAAAAAAAAAAAAAAAAAAAIQAAABgAAAAUAAAA+DQAABonAADYRQAAWSkAABAAAAAmAAAACAAAAAAAAAAAAAAAMAAAABQAAAAAAAAAAAD//wAAAQAAAP//AAABAA=="/>
               </a:ext>
             </a:extLst>
           </p:cNvSpPr>
@@ -2946,6 +2786,7 @@
             <a:fld id="{3BC5A3C5-8BD6-9055-987D-7D00ED336E28}" type="slidenum">
               <a:t>‹#›</a:t>
             </a:fld>
+            <a:endParaRPr/>
           </a:p>
         </p:txBody>
       </p:sp>
@@ -2959,7 +2800,7 @@
 </file>
 
 <file path=ppt/slideLayouts/slideLayout5.xml><?xml version="1.0" encoding="utf-8"?>
-<p:sldLayout xmlns:p="http://schemas.openxmlformats.org/presentationml/2006/main" xmlns:mc="http://schemas.openxmlformats.org/markup-compatibility/2006" xmlns:p14="http://schemas.microsoft.com/office/powerpoint/2010/main" xmlns:p15="http://schemas.microsoft.com/office/powerpoint/2012/main" xmlns:r="http://schemas.openxmlformats.org/officeDocument/2006/relationships" xmlns:a="http://schemas.openxmlformats.org/drawingml/2006/main" type="twoTxTwoObj" preserve="1">
+<p:sldLayout xmlns:a="http://schemas.openxmlformats.org/drawingml/2006/main" xmlns:r="http://schemas.openxmlformats.org/officeDocument/2006/relationships" xmlns:p="http://schemas.openxmlformats.org/presentationml/2006/main" type="twoTxTwoObj" preserve="1">
   <p:cSld name="Сравнение">
     <p:spTree>
       <p:nvGrpSpPr>
@@ -2982,7 +2823,7 @@
             <a:spLocks noGrp="1" noChangeArrowheads="1"/>
             <a:extLst>
               <a:ext uri="smNativeData">
-                <pr:smNativeData xmlns:pr="smNativeData" xmlns="smNativeData" val="SMDATA_16_xzE7ZxMAAAAlAAAAZAAAAA0AAAAAkAAAAEgAAACQAAAASAAAAAAAAAABAAAAAAAAAAEAAABQAAAAAAAAAAAA4D8AAAAAAADgPwAAAAAAAOA/AAAAAAAA4D8AAAAAAADgPwAAAAAAAOA/AAAAAAAA4D8AAAAAAADgPwAAAAAAAOA/AAAAAAAA4D8CAAAAjAAAAAAAAAAAAAAARHLEDP///wgAAAAAAAAAAAAAAAAAAAAAAAAAAAAAAAAAAAAAZAAAAAEAAABAAAAAAAAAAAAAAAAAAAAAAAAAAAAAAAAAAAAAAAAAAAAAAAAAAAAAAAAAAAAAAAAAAAAAAAAAAAAAAAAAAAAAAAAAAAAAAAAAAAAAAAAAAAAAAAAAAAAAFAAAADwAAAAAAAAAAAAAAAAAAAkUAAAAAQAAABQAAAAUAAAAFAAAAAEAAAAAAAAAZAAAAGQAAAAAAAAAZAAAAGQAAAAVAAAAYAAAAAAAAAAAAAAADwAAACADAAAAAAAAAAAAAAEAAACgMgAAVgcAAKr4//8BAAAAf39/AAEAAABkAAAAAAAAABQAAABAHwAAAAAAACYAAAAAAAAAwOD//wAAAAAmAAAAZAAAABYAAABMAAAAAAAAAAAAAAAEAAAAAAAAAAEAAADn5uYKAAAAACgAAAAoAAAAZAAAAGQAAAAAAAAAzMzMAAAAAABQAAAAUAAAAGQAAABkAAAAAAAAABcAAAAUAAAAAAAAAAAAAAD/fwAA/38AAAAAAAAJAAAABAAAAAAAAAAeAAAAaAAAAAAAAAAAAAAAAAAAAAAAAAAAAAAAECcAABAnAAAAAAAAAAAAAAAAAAAAAAAAAAAAAAAAAAAAAAAAAAAAABQAAAAAAAAAwMD/AAAAAABkAAAAMgAAAAAAAABkAAAAAAAAAH9/fwAKAAAAIgAAABgAAAAAAAAAAAAAAAAAAAAAAAAAAAAAAAAAAAAkAAAAJAAAAAAAAAAHAAAAAAAAAAAAAAAAAAAAAAAAAAAAAAAAAAAAf39/ACUAAABYAAAAAAAAAAAAAAAAAAAAAAAAAAAAAAAAAAAAAAAAAAAAAAAAAAAAAAAAAAAAAAA/AAAAAAAAAKCGAQAAAAAAAAAAAAAAAAAMAAAAAQAAAAAAAAAAAAAAAAAAAB8AAABUAAAAAAAABQAAAAEAAAAAAAAAAAAAAAAAAAAAAAAAAAAAAAAAAAAAAAAAAAAAAAJ/f38AAAAAA8zMzADAwP8Af39/AAAAAAAAAAAAAAAAAAAAAAAAAAAAIQAAABgAAAAUAAAAKwUAAD8CAADbRQAAZwoAABAAAAAmAAAACAAAAAEAAAAAAAAAMAAAABQAAAAAAAAAAAD//wAAAQAAAP//AAABAA=="/>
+                <pr:smNativeData xmlns:mc="http://schemas.openxmlformats.org/markup-compatibility/2006" xmlns:p14="http://schemas.microsoft.com/office/powerpoint/2010/main" xmlns:p15="http://schemas.microsoft.com/office/powerpoint/2012/main" xmlns:pr="smNativeData" xmlns="smNativeData" val="SMDATA_16_xzE7ZxMAAAAlAAAAZAAAAA0AAAAAkAAAAEgAAACQAAAASAAAAAAAAAABAAAAAAAAAAEAAABQAAAAAAAAAAAA4D8AAAAAAADgPwAAAAAAAOA/AAAAAAAA4D8AAAAAAADgPwAAAAAAAOA/AAAAAAAA4D8AAAAAAADgPwAAAAAAAOA/AAAAAAAA4D8CAAAAjAAAAAAAAAAAAAAARHLEDP///wgAAAAAAAAAAAAAAAAAAAAAAAAAAAAAAAAAAAAAZAAAAAEAAABAAAAAAAAAAAAAAAAAAAAAAAAAAAAAAAAAAAAAAAAAAAAAAAAAAAAAAAAAAAAAAAAAAAAAAAAAAAAAAAAAAAAAAAAAAAAAAAAAAAAAAAAAAAAAAAAAAAAAFAAAADwAAAAAAAAAAAAAAAAAAAkUAAAAAQAAABQAAAAUAAAAFAAAAAEAAAAAAAAAZAAAAGQAAAAAAAAAZAAAAGQAAAAVAAAAYAAAAAAAAAAAAAAADwAAACADAAAAAAAAAAAAAAEAAACgMgAAVgcAAKr4//8BAAAAf39/AAEAAABkAAAAAAAAABQAAABAHwAAAAAAACYAAAAAAAAAwOD//wAAAAAmAAAAZAAAABYAAABMAAAAAAAAAAAAAAAEAAAAAAAAAAEAAADn5uYKAAAAACgAAAAoAAAAZAAAAGQAAAAAAAAAzMzMAAAAAABQAAAAUAAAAGQAAABkAAAAAAAAABcAAAAUAAAAAAAAAAAAAAD/fwAA/38AAAAAAAAJAAAABAAAAAAAAAAeAAAAaAAAAAAAAAAAAAAAAAAAAAAAAAAAAAAAECcAABAnAAAAAAAAAAAAAAAAAAAAAAAAAAAAAAAAAAAAAAAAAAAAABQAAAAAAAAAwMD/AAAAAABkAAAAMgAAAAAAAABkAAAAAAAAAH9/fwAKAAAAIgAAABgAAAAAAAAAAAAAAAAAAAAAAAAAAAAAAAAAAAAkAAAAJAAAAAAAAAAHAAAAAAAAAAAAAAAAAAAAAAAAAAAAAAAAAAAAf39/ACUAAABYAAAAAAAAAAAAAAAAAAAAAAAAAAAAAAAAAAAAAAAAAAAAAAAAAAAAAAAAAAAAAAA/AAAAAAAAAKCGAQAAAAAAAAAAAAAAAAAMAAAAAQAAAAAAAAAAAAAAAAAAAB8AAABUAAAAAAAABQAAAAEAAAAAAAAAAAAAAAAAAAAAAAAAAAAAAAAAAAAAAAAAAAAAAAJ/f38AAAAAA8zMzADAwP8Af39/AAAAAAAAAAAAAAAAAAAAAAAAAAAAIQAAABgAAAAUAAAAKwUAAD8CAADbRQAAZwoAABAAAAAmAAAACAAAAAEAAAAAAAAAMAAAABQAAAAAAAAAAAD//wAAAQAAAP//AAABAA=="/>
               </a:ext>
             </a:extLst>
           </p:cNvSpPr>
@@ -3016,7 +2857,7 @@
             <a:spLocks noGrp="1" noChangeArrowheads="1"/>
             <a:extLst>
               <a:ext uri="smNativeData">
-                <pr:smNativeData xmlns:pr="smNativeData" xmlns="smNativeData" val="SMDATA_16_xzE7ZxMAAAAlAAAAZAAAAA0AAAAAkAAAAEgAAACQAAAASAAAAAAAAAACAAAAAAAAAAEAAABQAAAAAAAAAAAA4D8AAAAAAADgPwAAAAAAAOA/AAAAAAAA4D8AAAAAAADgPwAAAAAAAOA/AAAAAAAA4D8AAAAAAADgPwAAAAAAAOA/AAAAAAAA4D8CAAAAjAAAAAAAAAAAAAAARHLEDP///wgAAAAAAAAAAAAAAAAAAAAAAAAAAAAAAAAAAAAAZAAAAAEAAABAAAAAAAAAAAAAAAAAAAAAAAAAAAAAAAAAAAAAAAAAAAAAAAAAAAAAAAAAAAAAAAAAAAAAAAAAAAAAAAAAAAAAAAAAAAAAAAAAAAAAAAAAAAAAAAAAAAAAFAAAADwAAAAAAAAAAAAAAAAAAAkUAAAAAQAAABQAAAAUAAAAFAAAAAEAAAAAAAAAZAAAAGQAAAAAAAAAZAAAAGQAAAAVAAAAYAAAAAAAAAAAAAAADwAAACADAAAAAAAAAAAAAAEAAACgMgAAVgcAAKr4//8BAAAAf39/AAEAAABkAAAAAAAAABQAAABAHwAAAAAAACYAAAAAAAAAwOD//wAAAAAmAAAAZAAAABYAAABMAAAAAAAAAAAAAAAEAAAAAAAAAAEAAADn5uYKAAAAACgAAAAoAAAAZAAAAGQAAAAAAAAAzMzMAAAAAABQAAAAUAAAAGQAAABkAAAAAAAAABcAAAAUAAAAAAAAAAAAAAD/fwAA/38AAAAAAAAJAAAABAAAAAAAAAAeAAAAaAAAAAAAAAAAAAAAAAAAAAAAAAAAAAAAECcAABAnAAAAAAAAAAAAAAAAAAAAAAAAAAAAAAAAAAAAAAAAAAAAABQAAAAAAAAAwMD/AAAAAABkAAAAMgAAAAAAAABkAAAAAAAAAH9/fwAKAAAAIgAAABgAAAAAAAAAAAAAAAAAAAAAAAAAAAAAAAAAAAAkAAAAJAAAAAAAAAAHAAAAAAAAAAAAAAAAAAAAAAAAAAAAAAAAAAAAf39/ACUAAABYAAAAAAAAAAAAAAAAAAAAAAAAAAAAAAAAAAAAAAAAAAAAAAAAAAAAAAAAAAAAAAA/AAAAAAAAAKCGAQAAAAAAAAAAAAAAAAAMAAAAAQAAAAAAAAAAAAAAAAAAAB8AAABUAAAAAAAABQAAAAEAAAAAAAAAAAAAAAAAAAAAAAAAAAAAAAAAAAAAAAAAAAAAAAJ/f38AAAAAA8zMzADAwP8Af39/AAAAAAAAAAAAAAAAAAAAAAAAAAAAIQAAABgAAAAUAAAAKwUAAFgKAADlJAAAaQ8AABAAAAAmAAAACAAAAIGAAAAAAAAAMAAAABQAAAAAAAAAAAD//wAAAQAAAP//AAABAA=="/>
+                <pr:smNativeData xmlns:mc="http://schemas.openxmlformats.org/markup-compatibility/2006" xmlns:p14="http://schemas.microsoft.com/office/powerpoint/2010/main" xmlns:p15="http://schemas.microsoft.com/office/powerpoint/2012/main" xmlns:pr="smNativeData" xmlns="smNativeData" val="SMDATA_16_xzE7ZxMAAAAlAAAAZAAAAA0AAAAAkAAAAEgAAACQAAAASAAAAAAAAAACAAAAAAAAAAEAAABQAAAAAAAAAAAA4D8AAAAAAADgPwAAAAAAAOA/AAAAAAAA4D8AAAAAAADgPwAAAAAAAOA/AAAAAAAA4D8AAAAAAADgPwAAAAAAAOA/AAAAAAAA4D8CAAAAjAAAAAAAAAAAAAAARHLEDP///wgAAAAAAAAAAAAAAAAAAAAAAAAAAAAAAAAAAAAAZAAAAAEAAABAAAAAAAAAAAAAAAAAAAAAAAAAAAAAAAAAAAAAAAAAAAAAAAAAAAAAAAAAAAAAAAAAAAAAAAAAAAAAAAAAAAAAAAAAAAAAAAAAAAAAAAAAAAAAAAAAAAAAFAAAADwAAAAAAAAAAAAAAAAAAAkUAAAAAQAAABQAAAAUAAAAFAAAAAEAAAAAAAAAZAAAAGQAAAAAAAAAZAAAAGQAAAAVAAAAYAAAAAAAAAAAAAAADwAAACADAAAAAAAAAAAAAAEAAACgMgAAVgcAAKr4//8BAAAAf39/AAEAAABkAAAAAAAAABQAAABAHwAAAAAAACYAAAAAAAAAwOD//wAAAAAmAAAAZAAAABYAAABMAAAAAAAAAAAAAAAEAAAAAAAAAAEAAADn5uYKAAAAACgAAAAoAAAAZAAAAGQAAAAAAAAAzMzMAAAAAABQAAAAUAAAAGQAAABkAAAAAAAAABcAAAAUAAAAAAAAAAAAAAD/fwAA/38AAAAAAAAJAAAABAAAAAAAAAAeAAAAaAAAAAAAAAAAAAAAAAAAAAAAAAAAAAAAECcAABAnAAAAAAAAAAAAAAAAAAAAAAAAAAAAAAAAAAAAAAAAAAAAABQAAAAAAAAAwMD/AAAAAABkAAAAMgAAAAAAAABkAAAAAAAAAH9/fwAKAAAAIgAAABgAAAAAAAAAAAAAAAAAAAAAAAAAAAAAAAAAAAAkAAAAJAAAAAAAAAAHAAAAAAAAAAAAAAAAAAAAAAAAAAAAAAAAAAAAf39/ACUAAABYAAAAAAAAAAAAAAAAAAAAAAAAAAAAAAAAAAAAAAAAAAAAAAAAAAAAAAAAAAAAAAA/AAAAAAAAAKCGAQAAAAAAAAAAAAAAAAAMAAAAAQAAAAAAAAAAAAAAAAAAAB8AAABUAAAAAAAABQAAAAEAAAAAAAAAAAAAAAAAAAAAAAAAAAAAAAAAAAAAAAAAAAAAAAJ/f38AAAAAA8zMzADAwP8Af39/AAAAAAAAAAAAAAAAAAAAAAAAAAAAIQAAABgAAAAUAAAAKwUAAFgKAADlJAAAaQ8AABAAAAAmAAAACAAAAIGAAAAAAAAAMAAAABQAAAAAAAAAAAD//wAAAQAAAP//AAABAA=="/>
               </a:ext>
             </a:extLst>
           </p:cNvSpPr>
@@ -3091,7 +2932,7 @@
             <a:spLocks noGrp="1" noChangeArrowheads="1"/>
             <a:extLst>
               <a:ext uri="smNativeData">
-                <pr:smNativeData xmlns:pr="smNativeData" xmlns="smNativeData" val="SMDATA_16_xzE7ZxMAAAAlAAAAZAAAAA0AAAAAkAAAAEgAAACQAAAASAAAAAAAAAAAAAAAAAAAAAEAAABQAAAAAAAAAAAA4D8AAAAAAADgPwAAAAAAAOA/AAAAAAAA4D8AAAAAAADgPwAAAAAAAOA/AAAAAAAA4D8AAAAAAADgPwAAAAAAAOA/AAAAAAAA4D8CAAAAjAAAAAAAAAAAAAAARHLEDP///wgAAAAAAAAAAAAAAAAAAAAAAAAAAAAAAAAAAAAAZAAAAAEAAABAAAAAAAAAAAAAAAAAAAAAAAAAAAAAAAAAAAAAAAAAAAAAAAAAAAAAAAAAAAAAAAAAAAAAAAAAAAAAAAAAAAAAAAAAAAAAAAAAAAAAAAAAAAAAAAAAAAAAFAAAADwAAAAAAAAAAAAAAAAAAAkUAAAAAQAAABQAAAAUAAAAFAAAAAEAAAAAAAAAZAAAAGQAAAAAAAAAZAAAAGQAAAAVAAAAYAAAAAAAAAAAAAAADwAAACADAAAAAAAAAAAAAAEAAACgMgAAVgcAAKr4//8BAAAAf39/AAEAAABkAAAAAAAAABQAAABAHwAAAAAAACYAAAAAAAAAwOD//wAAAAAmAAAAZAAAABYAAABMAAAAAAAAAAAAAAAEAAAAAAAAAAEAAADn5uYKAAAAACgAAAAoAAAAZAAAAGQAAAAAAAAAzMzMAAAAAABQAAAAUAAAAGQAAABkAAAAAAAAABcAAAAUAAAAAAAAAAAAAAD/fwAA/38AAAAAAAAJAAAABAAAAAAAAAAeAAAAaAAAAAAAAAAAAAAAAAAAAAAAAAAAAAAAECcAABAnAAAAAAAAAAAAAAAAAAAAAAAAAAAAAAAAAAAAAAAAAAAAABQAAAAAAAAAwMD/AAAAAABkAAAAMgAAAAAAAABkAAAAAAAAAH9/fwAKAAAAIgAAABgAAAAAAAAAAAAAAAAAAAAAAAAAAAAAAAAAAAAkAAAAJAAAAAAAAAAHAAAAAAAAAAAAAAAAAAAAAAAAAAAAAAAAAAAAf39/ACUAAABYAAAAAAAAAAAAAAAAAAAAAAAAAAAAAAAAAAAAAAAAAAAAAAAAAAAAAAAAAAAAAAA/AAAAAAAAAKCGAQAAAAAAAAAAAAAAAAAMAAAAAQAAAAAAAAAAAAAAAAAAAB8AAABUAAAAAAAABQAAAAEAAAAAAAAAAAAAAAAAAAAAAAAAAAAAAAAAAAAAAAAAAAAAAAJ/f38AAAAAA8zMzADAwP8Af39/AAAAAAAAAAAAAAAAAAAAAAAAAAAAIQAAABgAAAAUAAAAKwUAAGkPAADlJAAAFCYAABAAAAAmAAAACAAAAAEAAAAAAAAAMAAAABQAAAAAAAAAAAD//wAAAQAAAP//AAABAA=="/>
+                <pr:smNativeData xmlns:mc="http://schemas.openxmlformats.org/markup-compatibility/2006" xmlns:p14="http://schemas.microsoft.com/office/powerpoint/2010/main" xmlns:p15="http://schemas.microsoft.com/office/powerpoint/2012/main" xmlns:pr="smNativeData" xmlns="smNativeData" val="SMDATA_16_xzE7ZxMAAAAlAAAAZAAAAA0AAAAAkAAAAEgAAACQAAAASAAAAAAAAAAAAAAAAAAAAAEAAABQAAAAAAAAAAAA4D8AAAAAAADgPwAAAAAAAOA/AAAAAAAA4D8AAAAAAADgPwAAAAAAAOA/AAAAAAAA4D8AAAAAAADgPwAAAAAAAOA/AAAAAAAA4D8CAAAAjAAAAAAAAAAAAAAARHLEDP///wgAAAAAAAAAAAAAAAAAAAAAAAAAAAAAAAAAAAAAZAAAAAEAAABAAAAAAAAAAAAAAAAAAAAAAAAAAAAAAAAAAAAAAAAAAAAAAAAAAAAAAAAAAAAAAAAAAAAAAAAAAAAAAAAAAAAAAAAAAAAAAAAAAAAAAAAAAAAAAAAAAAAAFAAAADwAAAAAAAAAAAAAAAAAAAkUAAAAAQAAABQAAAAUAAAAFAAAAAEAAAAAAAAAZAAAAGQAAAAAAAAAZAAAAGQAAAAVAAAAYAAAAAAAAAAAAAAADwAAACADAAAAAAAAAAAAAAEAAACgMgAAVgcAAKr4//8BAAAAf39/AAEAAABkAAAAAAAAABQAAABAHwAAAAAAACYAAAAAAAAAwOD//wAAAAAmAAAAZAAAABYAAABMAAAAAAAAAAAAAAAEAAAAAAAAAAEAAADn5uYKAAAAACgAAAAoAAAAZAAAAGQAAAAAAAAAzMzMAAAAAABQAAAAUAAAAGQAAABkAAAAAAAAABcAAAAUAAAAAAAAAAAAAAD/fwAA/38AAAAAAAAJAAAABAAAAAAAAAAeAAAAaAAAAAAAAAAAAAAAAAAAAAAAAAAAAAAAECcAABAnAAAAAAAAAAAAAAAAAAAAAAAAAAAAAAAAAAAAAAAAAAAAABQAAAAAAAAAwMD/AAAAAABkAAAAMgAAAAAAAABkAAAAAAAAAH9/fwAKAAAAIgAAABgAAAAAAAAAAAAAAAAAAAAAAAAAAAAAAAAAAAAkAAAAJAAAAAAAAAAHAAAAAAAAAAAAAAAAAAAAAAAAAAAAAAAAAAAAf39/ACUAAABYAAAAAAAAAAAAAAAAAAAAAAAAAAAAAAAAAAAAAAAAAAAAAAAAAAAAAAAAAAAAAAA/AAAAAAAAAKCGAQAAAAAAAAAAAAAAAAAMAAAAAQAAAAAAAAAAAAAAAAAAAB8AAABUAAAAAAAABQAAAAEAAAAAAAAAAAAAAAAAAAAAAAAAAAAAAAAAAAAAAAAAAAAAAAJ/f38AAAAAA8zMzADAwP8Af39/AAAAAAAAAAAAAAAAAAAAAAAAAAAAIQAAABgAAAAUAAAAKwUAAGkPAADlJAAAFCYAABAAAAAmAAAACAAAAAEAAAAAAAAAMAAAABQAAAAAAAAAAAD//wAAAQAAAP//AAABAA=="/>
               </a:ext>
             </a:extLst>
           </p:cNvSpPr>
@@ -3157,7 +2998,7 @@
             <a:spLocks noGrp="1" noChangeArrowheads="1"/>
             <a:extLst>
               <a:ext uri="smNativeData">
-                <pr:smNativeData xmlns:pr="smNativeData" xmlns="smNativeData" val="SMDATA_16_xzE7ZxMAAAAlAAAAZAAAAA0AAAAAkAAAAEgAAACQAAAASAAAAAAAAAACAAAAAAAAAAEAAABQAAAAAAAAAAAA4D8AAAAAAADgPwAAAAAAAOA/AAAAAAAA4D8AAAAAAADgPwAAAAAAAOA/AAAAAAAA4D8AAAAAAADgPwAAAAAAAOA/AAAAAAAA4D8CAAAAjAAAAAAAAAAAAAAARHLEDP///wgAAAAAAAAAAAAAAAAAAAAAAAAAAAAAAAAAAAAAZAAAAAEAAABAAAAAAAAAAAAAAAAAAAAAAAAAAAAAAAAAAAAAAAAAAAAAAAAAAAAAAAAAAAAAAAAAAAAAAAAAAAAAAAAAAAAAAAAAAAAAAAAAAAAAAAAAAAAAAAAAAAAAFAAAADwAAAAAAAAAAAAAAAAAAAkUAAAAAQAAABQAAAAUAAAAFAAAAAEAAAAAAAAAZAAAAGQAAAAAAAAAZAAAAGQAAAAVAAAAYAAAAAAAAAAAAAAADwAAACADAAAAAAAAAAAAAAEAAACgMgAAVgcAAKr4//8BAAAAf39/AAEAAABkAAAAAAAAABQAAABAHwAAAAAAACYAAAAAAAAAwOD//wAAAAAmAAAAZAAAABYAAABMAAAAAAAAAAAAAAAEAAAAAAAAAAEAAADn5uYKAAAAACgAAAAoAAAAZAAAAGQAAAAAAAAAzMzMAAAAAABQAAAAUAAAAGQAAABkAAAAAAAAABcAAAAUAAAAAAAAAAAAAAD/fwAA/38AAAAAAAAJAAAABAAAAAAAAAAeAAAAaAAAAAAAAAAAAAAAAAAAAAAAAAAAAAAAECcAABAnAAAAAAAAAAAAAAAAAAAAAAAAAAAAAAAAAAAAAAAAAAAAABQAAAAAAAAAwMD/AAAAAABkAAAAMgAAAAAAAABkAAAAAAAAAH9/fwAKAAAAIgAAABgAAAAAAAAAAAAAAAAAAAAAAAAAAAAAAAAAAAAkAAAAJAAAAAAAAAAHAAAAAAAAAAAAAAAAAAAAAAAAAAAAAAAAAAAAf39/ACUAAABYAAAAAAAAAAAAAAAAAAAAAAAAAAAAAAAAAAAAAAAAAAAAAAAAAAAAAAAAAAAAAAA/AAAAAAAAAKCGAQAAAAAAAAAAAAAAAAAMAAAAAQAAAAAAAAAAAAAAAAAAAB8AAABUAAAAAAAABQAAAAEAAAAAAAAAAAAAAAAAAAAAAAAAAAAAAAAAAAAAAAAAAAAAAAJ/f38AAAAAA8zMzADAwP8Af39/AAAAAAAAAAAAAAAAAAAAAAAAAAAAIQAAABgAAAAUAAAA+CUAAFgKAADbRQAAaQ8AABAAAAAmAAAACAAAAIGAAAAAAAAAMAAAABQAAAAAAAAAAAD//wAAAQAAAP//AAABAA=="/>
+                <pr:smNativeData xmlns:mc="http://schemas.openxmlformats.org/markup-compatibility/2006" xmlns:p14="http://schemas.microsoft.com/office/powerpoint/2010/main" xmlns:p15="http://schemas.microsoft.com/office/powerpoint/2012/main" xmlns:pr="smNativeData" xmlns="smNativeData" val="SMDATA_16_xzE7ZxMAAAAlAAAAZAAAAA0AAAAAkAAAAEgAAACQAAAASAAAAAAAAAACAAAAAAAAAAEAAABQAAAAAAAAAAAA4D8AAAAAAADgPwAAAAAAAOA/AAAAAAAA4D8AAAAAAADgPwAAAAAAAOA/AAAAAAAA4D8AAAAAAADgPwAAAAAAAOA/AAAAAAAA4D8CAAAAjAAAAAAAAAAAAAAARHLEDP///wgAAAAAAAAAAAAAAAAAAAAAAAAAAAAAAAAAAAAAZAAAAAEAAABAAAAAAAAAAAAAAAAAAAAAAAAAAAAAAAAAAAAAAAAAAAAAAAAAAAAAAAAAAAAAAAAAAAAAAAAAAAAAAAAAAAAAAAAAAAAAAAAAAAAAAAAAAAAAAAAAAAAAFAAAADwAAAAAAAAAAAAAAAAAAAkUAAAAAQAAABQAAAAUAAAAFAAAAAEAAAAAAAAAZAAAAGQAAAAAAAAAZAAAAGQAAAAVAAAAYAAAAAAAAAAAAAAADwAAACADAAAAAAAAAAAAAAEAAACgMgAAVgcAAKr4//8BAAAAf39/AAEAAABkAAAAAAAAABQAAABAHwAAAAAAACYAAAAAAAAAwOD//wAAAAAmAAAAZAAAABYAAABMAAAAAAAAAAAAAAAEAAAAAAAAAAEAAADn5uYKAAAAACgAAAAoAAAAZAAAAGQAAAAAAAAAzMzMAAAAAABQAAAAUAAAAGQAAABkAAAAAAAAABcAAAAUAAAAAAAAAAAAAAD/fwAA/38AAAAAAAAJAAAABAAAAAAAAAAeAAAAaAAAAAAAAAAAAAAAAAAAAAAAAAAAAAAAECcAABAnAAAAAAAAAAAAAAAAAAAAAAAAAAAAAAAAAAAAAAAAAAAAABQAAAAAAAAAwMD/AAAAAABkAAAAMgAAAAAAAABkAAAAAAAAAH9/fwAKAAAAIgAAABgAAAAAAAAAAAAAAAAAAAAAAAAAAAAAAAAAAAAkAAAAJAAAAAAAAAAHAAAAAAAAAAAAAAAAAAAAAAAAAAAAAAAAAAAAf39/ACUAAABYAAAAAAAAAAAAAAAAAAAAAAAAAAAAAAAAAAAAAAAAAAAAAAAAAAAAAAAAAAAAAAA/AAAAAAAAAKCGAQAAAAAAAAAAAAAAAAAMAAAAAQAAAAAAAAAAAAAAAAAAAB8AAABUAAAAAAAABQAAAAEAAAAAAAAAAAAAAAAAAAAAAAAAAAAAAAAAAAAAAAAAAAAAAAJ/f38AAAAAA8zMzADAwP8Af39/AAAAAAAAAAAAAAAAAAAAAAAAAAAAIQAAABgAAAAUAAAA+CUAAFgKAADbRQAAaQ8AABAAAAAmAAAACAAAAIGAAAAAAAAAMAAAABQAAAAAAAAAAAD//wAAAQAAAP//AAABAA=="/>
               </a:ext>
             </a:extLst>
           </p:cNvSpPr>
@@ -3232,7 +3073,7 @@
             <a:spLocks noGrp="1" noChangeArrowheads="1"/>
             <a:extLst>
               <a:ext uri="smNativeData">
-                <pr:smNativeData xmlns:pr="smNativeData" xmlns="smNativeData" val="SMDATA_16_xzE7ZxMAAAAlAAAAZAAAAA0AAAAAkAAAAEgAAACQAAAASAAAAAAAAAAAAAAAAAAAAAEAAABQAAAAAAAAAAAA4D8AAAAAAADgPwAAAAAAAOA/AAAAAAAA4D8AAAAAAADgPwAAAAAAAOA/AAAAAAAA4D8AAAAAAADgPwAAAAAAAOA/AAAAAAAA4D8CAAAAjAAAAAAAAAAAAAAARHLEDP///wgAAAAAAAAAAAAAAAAAAAAAAAAAAAAAAAAAAAAAZAAAAAEAAABAAAAAAAAAAAAAAAAAAAAAAAAAAAAAAAAAAAAAAAAAAAAAAAAAAAAAAAAAAAAAAAAAAAAAAAAAAAAAAAAAAAAAAAAAAAAAAAAAAAAAAAAAAAAAAAAAAAAAFAAAADwAAAAAAAAAAAAAAAAAAAkUAAAAAQAAABQAAAAUAAAAFAAAAAEAAAAAAAAAZAAAAGQAAAAAAAAAZAAAAGQAAAAVAAAAYAAAAAAAAAAAAAAADwAAACADAAAAAAAAAAAAAAEAAACgMgAAVgcAAKr4//8BAAAAf39/AAEAAABkAAAAAAAAABQAAABAHwAAAAAAACYAAAAAAAAAwOD//wAAAAAmAAAAZAAAABYAAABMAAAAAAAAAAAAAAAEAAAAAAAAAAEAAADn5uYKAAAAACgAAAAoAAAAZAAAAGQAAAAAAAAAzMzMAAAAAABQAAAAUAAAAGQAAABkAAAAAAAAABcAAAAUAAAAAAAAAAAAAAD/fwAA/38AAAAAAAAJAAAABAAAAAAAAAAeAAAAaAAAAAAAAAAAAAAAAAAAAAAAAAAAAAAAECcAABAnAAAAAAAAAAAAAAAAAAAAAAAAAAAAAAAAAAAAAAAAAAAAABQAAAAAAAAAwMD/AAAAAABkAAAAMgAAAAAAAABkAAAAAAAAAH9/fwAKAAAAIgAAABgAAAAAAAAAAAAAAAAAAAAAAAAAAAAAAAAAAAAkAAAAJAAAAAAAAAAHAAAAAAAAAAAAAAAAAAAAAAAAAAAAAAAAAAAAf39/ACUAAABYAAAAAAAAAAAAAAAAAAAAAAAAAAAAAAAAAAAAAAAAAAAAAAAAAAAAAAAAAAAAAAA/AAAAAAAAAKCGAQAAAAAAAAAAAAAAAAAMAAAAAQAAAAAAAAAAAAAAAAAAAB8AAABUAAAAAAAABQAAAAEAAAAAAAAAAAAAAAAAAAAAAAAAAAAAAAAAAAAAAAAAAAAAAAJ/f38AAAAAA8zMzADAwP8Af39/AAAAAAAAAAAAAAAAAAAAAAAAAAAAIQAAABgAAAAUAAAA+CUAAGkPAADbRQAAFCYAABAAAAAmAAAACAAAAAEAAAAAAAAAMAAAABQAAAAAAAAAAAD//wAAAQAAAP//AAABAA=="/>
+                <pr:smNativeData xmlns:mc="http://schemas.openxmlformats.org/markup-compatibility/2006" xmlns:p14="http://schemas.microsoft.com/office/powerpoint/2010/main" xmlns:p15="http://schemas.microsoft.com/office/powerpoint/2012/main" xmlns:pr="smNativeData" xmlns="smNativeData" val="SMDATA_16_xzE7ZxMAAAAlAAAAZAAAAA0AAAAAkAAAAEgAAACQAAAASAAAAAAAAAAAAAAAAAAAAAEAAABQAAAAAAAAAAAA4D8AAAAAAADgPwAAAAAAAOA/AAAAAAAA4D8AAAAAAADgPwAAAAAAAOA/AAAAAAAA4D8AAAAAAADgPwAAAAAAAOA/AAAAAAAA4D8CAAAAjAAAAAAAAAAAAAAARHLEDP///wgAAAAAAAAAAAAAAAAAAAAAAAAAAAAAAAAAAAAAZAAAAAEAAABAAAAAAAAAAAAAAAAAAAAAAAAAAAAAAAAAAAAAAAAAAAAAAAAAAAAAAAAAAAAAAAAAAAAAAAAAAAAAAAAAAAAAAAAAAAAAAAAAAAAAAAAAAAAAAAAAAAAAFAAAADwAAAAAAAAAAAAAAAAAAAkUAAAAAQAAABQAAAAUAAAAFAAAAAEAAAAAAAAAZAAAAGQAAAAAAAAAZAAAAGQAAAAVAAAAYAAAAAAAAAAAAAAADwAAACADAAAAAAAAAAAAAAEAAACgMgAAVgcAAKr4//8BAAAAf39/AAEAAABkAAAAAAAAABQAAABAHwAAAAAAACYAAAAAAAAAwOD//wAAAAAmAAAAZAAAABYAAABMAAAAAAAAAAAAAAAEAAAAAAAAAAEAAADn5uYKAAAAACgAAAAoAAAAZAAAAGQAAAAAAAAAzMzMAAAAAABQAAAAUAAAAGQAAABkAAAAAAAAABcAAAAUAAAAAAAAAAAAAAD/fwAA/38AAAAAAAAJAAAABAAAAAAAAAAeAAAAaAAAAAAAAAAAAAAAAAAAAAAAAAAAAAAAECcAABAnAAAAAAAAAAAAAAAAAAAAAAAAAAAAAAAAAAAAAAAAAAAAABQAAAAAAAAAwMD/AAAAAABkAAAAMgAAAAAAAABkAAAAAAAAAH9/fwAKAAAAIgAAABgAAAAAAAAAAAAAAAAAAAAAAAAAAAAAAAAAAAAkAAAAJAAAAAAAAAAHAAAAAAAAAAAAAAAAAAAAAAAAAAAAAAAAAAAAf39/ACUAAABYAAAAAAAAAAAAAAAAAAAAAAAAAAAAAAAAAAAAAAAAAAAAAAAAAAAAAAAAAAAAAAA/AAAAAAAAAKCGAQAAAAAAAAAAAAAAAAAMAAAAAQAAAAAAAAAAAAAAAAAAAB8AAABUAAAAAAAABQAAAAEAAAAAAAAAAAAAAAAAAAAAAAAAAAAAAAAAAAAAAAAAAAAAAAJ/f38AAAAAA8zMzADAwP8Af39/AAAAAAAAAAAAAAAAAAAAAAAAAAAAIQAAABgAAAAUAAAA+CUAAGkPAADbRQAAFCYAABAAAAAmAAAACAAAAAEAAAAAAAAAMAAAABQAAAAAAAAAAAD//wAAAQAAAP//AAABAA=="/>
               </a:ext>
             </a:extLst>
           </p:cNvSpPr>
@@ -3298,7 +3139,7 @@
             <a:spLocks noGrp="1" noChangeArrowheads="1"/>
             <a:extLst>
               <a:ext uri="smNativeData">
-                <pr:smNativeData xmlns:pr="smNativeData" xmlns="smNativeData" val="SMDATA_16_xzE7ZxMAAAAlAAAAZAAAAA0AAAAAkAAAAEgAAACQAAAASAAAAAAAAAABAAAAAAAAAAEAAABQAAAAAAAAAAAA4D8AAAAAAADgPwAAAAAAAOA/AAAAAAAA4D8AAAAAAADgPwAAAAAAAOA/AAAAAAAA4D8AAAAAAADgPwAAAAAAAOA/AAAAAAAA4D8CAAAAjAAAAAAAAAAAAAAARHLEDP///wgAAAAAAAAAAAAAAAAAAAAAAAAAAAAAAAAAAAAAZAAAAAEAAABAAAAAAAAAAAAAAAAAAAAAAAAAAAAAAAAAAAAAAAAAAAAAAAAAAAAAAAAAAAAAAAAAAAAAAAAAAAAAAAAAAAAAAAAAAAAAAAAAAAAAAAAAAAAAAAAAAAAAFAAAADwAAAAAAAAAAAAAAAAAAAkUAAAAAQAAABQAAAAUAAAAFAAAAAEAAAAAAAAAZAAAAGQAAAAAAAAAZAAAAGQAAAAVAAAAYAAAAAAAAAAAAAAADwAAACADAAAAAAAAAAAAAAEAAACgMgAAVgcAAKr4//8BAAAAf39/AAEAAABkAAAAAAAAABQAAABAHwAAAAAAACYAAAAAAAAAwOD//wAAAAAmAAAAZAAAABYAAABMAAAAAAAAAAAAAAAEAAAAAAAAAAEAAADn5uYKAAAAACgAAAAoAAAAZAAAAGQAAAAAAAAAzMzMAAAAAABQAAAAUAAAAGQAAABkAAAAAAAAABcAAAAUAAAAAAAAAAAAAAD/fwAA/38AAAAAAAAJAAAABAAAAAAAAAAeAAAAaAAAAAAAAAAAAAAAAAAAAAAAAAAAAAAAECcAABAnAAAAAAAAAAAAAAAAAAAAAAAAAAAAAAAAAAAAAAAAAAAAABQAAAAAAAAAwMD/AAAAAABkAAAAMgAAAAAAAABkAAAAAAAAAH9/fwAKAAAAIgAAABgAAAAAAAAAAAAAAAAAAAAAAAAAAAAAAAAAAAAkAAAAJAAAAAAAAAAHAAAAAAAAAAAAAAAAAAAAAAAAAAAAAAAAAAAAf39/ACUAAABYAAAAAAAAAAAAAAAAAAAAAAAAAAAAAAAAAAAAAAAAAAAAAAAAAAAAAAAAAAAAAAA/AAAAAAAAAKCGAQAAAAAAAAAAAAAAAAAMAAAAAQAAAAAAAAAAAAAAAAAAAB8AAABUAAAAAAAABQAAAAEAAAAAAAAAAAAAAAAAAAAAAAAAAAAAAAAAAAAAAAAAAAAAAAJ/f38AAAAAA8zMzADAwP8Af39/AAAAAAAAAAAAAAAAAAAAAAAAAAAAIQAAABgAAAAUAAAAKAUAABonAAAIFgAAWSkAABAAAAAmAAAACAAAAAAAAAAAAAAAMAAAABQAAAAAAAAAAAD//wAAAQAAAP//AAABAA=="/>
+                <pr:smNativeData xmlns:mc="http://schemas.openxmlformats.org/markup-compatibility/2006" xmlns:p14="http://schemas.microsoft.com/office/powerpoint/2010/main" xmlns:p15="http://schemas.microsoft.com/office/powerpoint/2012/main" xmlns:pr="smNativeData" xmlns="smNativeData" val="SMDATA_16_xzE7ZxMAAAAlAAAAZAAAAA0AAAAAkAAAAEgAAACQAAAASAAAAAAAAAABAAAAAAAAAAEAAABQAAAAAAAAAAAA4D8AAAAAAADgPwAAAAAAAOA/AAAAAAAA4D8AAAAAAADgPwAAAAAAAOA/AAAAAAAA4D8AAAAAAADgPwAAAAAAAOA/AAAAAAAA4D8CAAAAjAAAAAAAAAAAAAAARHLEDP///wgAAAAAAAAAAAAAAAAAAAAAAAAAAAAAAAAAAAAAZAAAAAEAAABAAAAAAAAAAAAAAAAAAAAAAAAAAAAAAAAAAAAAAAAAAAAAAAAAAAAAAAAAAAAAAAAAAAAAAAAAAAAAAAAAAAAAAAAAAAAAAAAAAAAAAAAAAAAAAAAAAAAAFAAAADwAAAAAAAAAAAAAAAAAAAkUAAAAAQAAABQAAAAUAAAAFAAAAAEAAAAAAAAAZAAAAGQAAAAAAAAAZAAAAGQAAAAVAAAAYAAAAAAAAAAAAAAADwAAACADAAAAAAAAAAAAAAEAAACgMgAAVgcAAKr4//8BAAAAf39/AAEAAABkAAAAAAAAABQAAABAHwAAAAAAACYAAAAAAAAAwOD//wAAAAAmAAAAZAAAABYAAABMAAAAAAAAAAAAAAAEAAAAAAAAAAEAAADn5uYKAAAAACgAAAAoAAAAZAAAAGQAAAAAAAAAzMzMAAAAAABQAAAAUAAAAGQAAABkAAAAAAAAABcAAAAUAAAAAAAAAAAAAAD/fwAA/38AAAAAAAAJAAAABAAAAAAAAAAeAAAAaAAAAAAAAAAAAAAAAAAAAAAAAAAAAAAAECcAABAnAAAAAAAAAAAAAAAAAAAAAAAAAAAAAAAAAAAAAAAAAAAAABQAAAAAAAAAwMD/AAAAAABkAAAAMgAAAAAAAABkAAAAAAAAAH9/fwAKAAAAIgAAABgAAAAAAAAAAAAAAAAAAAAAAAAAAAAAAAAAAAAkAAAAJAAAAAAAAAAHAAAAAAAAAAAAAAAAAAAAAAAAAAAAAAAAAAAAf39/ACUAAABYAAAAAAAAAAAAAAAAAAAAAAAAAAAAAAAAAAAAAAAAAAAAAAAAAAAAAAAAAAAAAAA/AAAAAAAAAKCGAQAAAAAAAAAAAAAAAAAMAAAAAQAAAAAAAAAAAAAAAAAAAB8AAABUAAAAAAAABQAAAAEAAAAAAAAAAAAAAAAAAAAAAAAAAAAAAAAAAAAAAAAAAAAAAAJ/f38AAAAAA8zMzADAwP8Af39/AAAAAAAAAAAAAAAAAAAAAAAAAAAAIQAAABgAAAAUAAAAKAUAABonAAAIFgAAWSkAABAAAAAmAAAACAAAAAAAAAAAAAAAMAAAABQAAAAAAAAAAAD//wAAAQAAAP//AAABAA=="/>
               </a:ext>
             </a:extLst>
           </p:cNvSpPr>
@@ -3315,8 +3156,9 @@
               <a:defRPr lang="ru-ru"/>
             </a:pPr>
             <a:fld id="{3BC5F075-3BD6-9006-987D-CD53BE336E98}" type="datetime1">
-              <a:t>18.11.2024</a:t>
+              <a:t>20.11.2024</a:t>
             </a:fld>
+            <a:endParaRPr/>
           </a:p>
         </p:txBody>
       </p:sp>
@@ -3327,7 +3169,7 @@
             <a:spLocks noGrp="1" noChangeArrowheads="1"/>
             <a:extLst>
               <a:ext uri="smNativeData">
-                <pr:smNativeData xmlns:pr="smNativeData" xmlns="smNativeData" val="SMDATA_16_xzE7ZxMAAAAlAAAAZAAAAA0AAAAAkAAAAEgAAACQAAAASAAAAAAAAAABAAAAAAAAAAEAAABQAAAAAAAAAAAA4D8AAAAAAADgPwAAAAAAAOA/AAAAAAAA4D8AAAAAAADgPwAAAAAAAOA/AAAAAAAA4D8AAAAAAADgPwAAAAAAAOA/AAAAAAAA4D8CAAAAjAAAAAAAAAAAAAAARHLEDP///wgAAAAAAAAAAAAAAAAAAAAAAAAAAAAAAAAAAAAAZAAAAAEAAABAAAAAAAAAAAAAAAAAAAAAAAAAAAAAAAAAAAAAAAAAAAAAAAAAAAAAAAAAAAAAAAAAAAAAAAAAAAAAAAAAAAAAAAAAAAAAAAAAAAAAAAAAAAAAAAAAAAAAFAAAADwAAAAAAAAAAAAAAAAAAAkUAAAAAQAAABQAAAAUAAAAFAAAAAEAAAAAAAAAZAAAAGQAAAAAAAAAZAAAAGQAAAAVAAAAYAAAAAAAAAAAAAAADwAAACADAAAAAAAAAAAAAAEAAACgMgAAVgcAAKr4//8BAAAAf39/AAEAAABkAAAAAAAAABQAAABAHwAAAAAAACYAAAAAAAAAwOD//wAAAAAmAAAAZAAAABYAAABMAAAAAAAAAAAAAAAEAAAAAAAAAAEAAADn5uYKAAAAACgAAAAoAAAAZAAAAGQAAAAAAAAAzMzMAAAAAABQAAAAUAAAAGQAAABkAAAAAAAAABcAAAAUAAAAAAAAAAAAAAD/fwAA/38AAAAAAAAJAAAABAAAAAAAAAAeAAAAaAAAAAAAAAAAAAAAAAAAAAAAAAAAAAAAECcAABAnAAAAAAAAAAAAAAAAAAAAAAAAAAAAAAAAAAAAAAAAAAAAABQAAAAAAAAAwMD/AAAAAABkAAAAMgAAAAAAAABkAAAAAAAAAH9/fwAKAAAAIgAAABgAAAAAAAAAAAAAAAAAAAAAAAAAAAAAAAAAAAAkAAAAJAAAAAAAAAAHAAAAAAAAAAAAAAAAAAAAAAAAAAAAAAAAAAAAf39/ACUAAABYAAAAAAAAAAAAAAAAAAAAAAAAAAAAAAAAAAAAAAAAAAAAAAAAAAAAAAAAAAAAAAA/AAAAAAAAAKCGAQAAAAAAAAAAAAAAAAAMAAAAAQAAAAAAAAAAAAAAAAAAAB8AAABUAAAAAAAABQAAAAEAAAAAAAAAAAAAAAAAAAAAAAAAAAAAAAAAAAAAAAAAAAAAAAJ/f38AAAAAA8zMzADAwP8Af39/AAAAAAAAAAAAAAAAAAAAAAAAAAAAIQAAABgAAAAUAAAA2BgAABonAAAoMgAAWSkAABAAAAAmAAAACAAAAAAAAAAAAAAAMAAAABQAAAAAAAAAAAD//wAAAQAAAP//AAABAA=="/>
+                <pr:smNativeData xmlns:mc="http://schemas.openxmlformats.org/markup-compatibility/2006" xmlns:p14="http://schemas.microsoft.com/office/powerpoint/2010/main" xmlns:p15="http://schemas.microsoft.com/office/powerpoint/2012/main" xmlns:pr="smNativeData" xmlns="smNativeData" val="SMDATA_16_xzE7ZxMAAAAlAAAAZAAAAA0AAAAAkAAAAEgAAACQAAAASAAAAAAAAAABAAAAAAAAAAEAAABQAAAAAAAAAAAA4D8AAAAAAADgPwAAAAAAAOA/AAAAAAAA4D8AAAAAAADgPwAAAAAAAOA/AAAAAAAA4D8AAAAAAADgPwAAAAAAAOA/AAAAAAAA4D8CAAAAjAAAAAAAAAAAAAAARHLEDP///wgAAAAAAAAAAAAAAAAAAAAAAAAAAAAAAAAAAAAAZAAAAAEAAABAAAAAAAAAAAAAAAAAAAAAAAAAAAAAAAAAAAAAAAAAAAAAAAAAAAAAAAAAAAAAAAAAAAAAAAAAAAAAAAAAAAAAAAAAAAAAAAAAAAAAAAAAAAAAAAAAAAAAFAAAADwAAAAAAAAAAAAAAAAAAAkUAAAAAQAAABQAAAAUAAAAFAAAAAEAAAAAAAAAZAAAAGQAAAAAAAAAZAAAAGQAAAAVAAAAYAAAAAAAAAAAAAAADwAAACADAAAAAAAAAAAAAAEAAACgMgAAVgcAAKr4//8BAAAAf39/AAEAAABkAAAAAAAAABQAAABAHwAAAAAAACYAAAAAAAAAwOD//wAAAAAmAAAAZAAAABYAAABMAAAAAAAAAAAAAAAEAAAAAAAAAAEAAADn5uYKAAAAACgAAAAoAAAAZAAAAGQAAAAAAAAAzMzMAAAAAABQAAAAUAAAAGQAAABkAAAAAAAAABcAAAAUAAAAAAAAAAAAAAD/fwAA/38AAAAAAAAJAAAABAAAAAAAAAAeAAAAaAAAAAAAAAAAAAAAAAAAAAAAAAAAAAAAECcAABAnAAAAAAAAAAAAAAAAAAAAAAAAAAAAAAAAAAAAAAAAAAAAABQAAAAAAAAAwMD/AAAAAABkAAAAMgAAAAAAAABkAAAAAAAAAH9/fwAKAAAAIgAAABgAAAAAAAAAAAAAAAAAAAAAAAAAAAAAAAAAAAAkAAAAJAAAAAAAAAAHAAAAAAAAAAAAAAAAAAAAAAAAAAAAAAAAAAAAf39/ACUAAABYAAAAAAAAAAAAAAAAAAAAAAAAAAAAAAAAAAAAAAAAAAAAAAAAAAAAAAAAAAAAAAA/AAAAAAAAAKCGAQAAAAAAAAAAAAAAAAAMAAAAAQAAAAAAAAAAAAAAAAAAAB8AAABUAAAAAAAABQAAAAEAAAAAAAAAAAAAAAAAAAAAAAAAAAAAAAAAAAAAAAAAAAAAAAJ/f38AAAAAA8zMzADAwP8Af39/AAAAAAAAAAAAAAAAAAAAAAAAAAAAIQAAABgAAAAUAAAA2BgAABonAAAoMgAAWSkAABAAAAAmAAAACAAAAAAAAAAAAAAAMAAAABQAAAAAAAAAAAD//wAAAQAAAP//AAABAA=="/>
               </a:ext>
             </a:extLst>
           </p:cNvSpPr>
@@ -3343,6 +3185,7 @@
             <a:pPr>
               <a:defRPr lang="ru-ru"/>
             </a:pPr>
+            <a:endParaRPr/>
           </a:p>
         </p:txBody>
       </p:sp>
@@ -3353,7 +3196,7 @@
             <a:spLocks noGrp="1" noChangeArrowheads="1"/>
             <a:extLst>
               <a:ext uri="smNativeData">
-                <pr:smNativeData xmlns:pr="smNativeData" xmlns="smNativeData" val="SMDATA_16_xzE7ZxMAAAAlAAAAZAAAAA0AAAAAkAAAAEgAAACQAAAASAAAAAAAAAABAAAAAAAAAAEAAABQAAAAAAAAAAAA4D8AAAAAAADgPwAAAAAAAOA/AAAAAAAA4D8AAAAAAADgPwAAAAAAAOA/AAAAAAAA4D8AAAAAAADgPwAAAAAAAOA/AAAAAAAA4D8CAAAAjAAAAAAAAAAAAAAARHLEDP///wgAAAAAAAAAAAAAAAAAAAAAAAAAAAAAAAAAAAAAZAAAAAEAAABAAAAAAAAAAAAAAAAAAAAAAAAAAAAAAAAAAAAAAAAAAAAAAAAAAAAAAAAAAAAAAAAAAAAAAAAAAAAAAAAAAAAAAAAAAAAAAAAAAAAAAAAAAAAAAAAAAAAAFAAAADwAAAAAAAAAAAAAAAAAAAkUAAAAAQAAABQAAAAUAAAAFAAAAAEAAAAAAAAAZAAAAGQAAAAAAAAAZAAAAGQAAAAVAAAAYAAAAAAAAAAAAAAADwAAACADAAAAAAAAAAAAAAEAAACgMgAAVgcAAKr4//8BAAAAf39/AAEAAABkAAAAAAAAABQAAABAHwAAAAAAACYAAAAAAAAAwOD//wAAAAAmAAAAZAAAABYAAABMAAAAAAAAAAAAAAAEAAAAAAAAAAEAAADn5uYKAAAAACgAAAAoAAAAZAAAAGQAAAAAAAAAzMzMAAAAAABQAAAAUAAAAGQAAABkAAAAAAAAABcAAAAUAAAAAAAAAAAAAAD/fwAA/38AAAAAAAAJAAAABAAAAAAAAAAeAAAAaAAAAAAAAAAAAAAAAAAAAAAAAAAAAAAAECcAABAnAAAAAAAAAAAAAAAAAAAAAAAAAAAAAAAAAAAAAAAAAAAAABQAAAAAAAAAwMD/AAAAAABkAAAAMgAAAAAAAABkAAAAAAAAAH9/fwAKAAAAIgAAABgAAAAAAAAAAAAAAAAAAAAAAAAAAAAAAAAAAAAkAAAAJAAAAAAAAAAHAAAAAAAAAAAAAAAAAAAAAAAAAAAAAAAAAAAAf39/ACUAAABYAAAAAAAAAAAAAAAAAAAAAAAAAAAAAAAAAAAAAAAAAAAAAAAAAAAAAAAAAAAAAAA/AAAAAAAAAKCGAQAAAAAAAAAAAAAAAAAMAAAAAQAAAAAAAAAAAAAAAAAAAB8AAABUAAAAAAAABQAAAAEAAAAAAAAAAAAAAAAAAAAAAAAAAAAAAAAAAAAAAAAAAAAAAAJ/f38AAAAAA8zMzADAwP8Af39/AAAAAAAAAAAAAAAAAAAAAAAAAAAAIQAAABgAAAAUAAAA+DQAABonAADYRQAAWSkAABAAAAAmAAAACAAAAAAAAAAAAAAAMAAAABQAAAAAAAAAAAD//wAAAQAAAP//AAABAA=="/>
+                <pr:smNativeData xmlns:mc="http://schemas.openxmlformats.org/markup-compatibility/2006" xmlns:p14="http://schemas.microsoft.com/office/powerpoint/2010/main" xmlns:p15="http://schemas.microsoft.com/office/powerpoint/2012/main" xmlns:pr="smNativeData" xmlns="smNativeData" val="SMDATA_16_xzE7ZxMAAAAlAAAAZAAAAA0AAAAAkAAAAEgAAACQAAAASAAAAAAAAAABAAAAAAAAAAEAAABQAAAAAAAAAAAA4D8AAAAAAADgPwAAAAAAAOA/AAAAAAAA4D8AAAAAAADgPwAAAAAAAOA/AAAAAAAA4D8AAAAAAADgPwAAAAAAAOA/AAAAAAAA4D8CAAAAjAAAAAAAAAAAAAAARHLEDP///wgAAAAAAAAAAAAAAAAAAAAAAAAAAAAAAAAAAAAAZAAAAAEAAABAAAAAAAAAAAAAAAAAAAAAAAAAAAAAAAAAAAAAAAAAAAAAAAAAAAAAAAAAAAAAAAAAAAAAAAAAAAAAAAAAAAAAAAAAAAAAAAAAAAAAAAAAAAAAAAAAAAAAFAAAADwAAAAAAAAAAAAAAAAAAAkUAAAAAQAAABQAAAAUAAAAFAAAAAEAAAAAAAAAZAAAAGQAAAAAAAAAZAAAAGQAAAAVAAAAYAAAAAAAAAAAAAAADwAAACADAAAAAAAAAAAAAAEAAACgMgAAVgcAAKr4//8BAAAAf39/AAEAAABkAAAAAAAAABQAAABAHwAAAAAAACYAAAAAAAAAwOD//wAAAAAmAAAAZAAAABYAAABMAAAAAAAAAAAAAAAEAAAAAAAAAAEAAADn5uYKAAAAACgAAAAoAAAAZAAAAGQAAAAAAAAAzMzMAAAAAABQAAAAUAAAAGQAAABkAAAAAAAAABcAAAAUAAAAAAAAAAAAAAD/fwAA/38AAAAAAAAJAAAABAAAAAAAAAAeAAAAaAAAAAAAAAAAAAAAAAAAAAAAAAAAAAAAECcAABAnAAAAAAAAAAAAAAAAAAAAAAAAAAAAAAAAAAAAAAAAAAAAABQAAAAAAAAAwMD/AAAAAABkAAAAMgAAAAAAAABkAAAAAAAAAH9/fwAKAAAAIgAAABgAAAAAAAAAAAAAAAAAAAAAAAAAAAAAAAAAAAAkAAAAJAAAAAAAAAAHAAAAAAAAAAAAAAAAAAAAAAAAAAAAAAAAAAAAf39/ACUAAABYAAAAAAAAAAAAAAAAAAAAAAAAAAAAAAAAAAAAAAAAAAAAAAAAAAAAAAAAAAAAAAA/AAAAAAAAAKCGAQAAAAAAAAAAAAAAAAAMAAAAAQAAAAAAAAAAAAAAAAAAAB8AAABUAAAAAAAABQAAAAEAAAAAAAAAAAAAAAAAAAAAAAAAAAAAAAAAAAAAAAAAAAAAAAJ/f38AAAAAA8zMzADAwP8Af39/AAAAAAAAAAAAAAAAAAAAAAAAAAAAIQAAABgAAAAUAAAA+DQAABonAADYRQAAWSkAABAAAAAmAAAACAAAAAAAAAAAAAAAMAAAABQAAAAAAAAAAAD//wAAAQAAAP//AAABAA=="/>
               </a:ext>
             </a:extLst>
           </p:cNvSpPr>
@@ -3372,6 +3215,7 @@
             <a:fld id="{3BC5E6BA-F4D6-9010-987D-0245A8336E57}" type="slidenum">
               <a:t>‹#›</a:t>
             </a:fld>
+            <a:endParaRPr/>
           </a:p>
         </p:txBody>
       </p:sp>
@@ -3385,7 +3229,7 @@
 </file>
 
 <file path=ppt/slideLayouts/slideLayout6.xml><?xml version="1.0" encoding="utf-8"?>
-<p:sldLayout xmlns:p="http://schemas.openxmlformats.org/presentationml/2006/main" xmlns:mc="http://schemas.openxmlformats.org/markup-compatibility/2006" xmlns:p14="http://schemas.microsoft.com/office/powerpoint/2010/main" xmlns:p15="http://schemas.microsoft.com/office/powerpoint/2012/main" xmlns:r="http://schemas.openxmlformats.org/officeDocument/2006/relationships" xmlns:a="http://schemas.openxmlformats.org/drawingml/2006/main" type="titleOnly" preserve="1">
+<p:sldLayout xmlns:a="http://schemas.openxmlformats.org/drawingml/2006/main" xmlns:r="http://schemas.openxmlformats.org/officeDocument/2006/relationships" xmlns:p="http://schemas.openxmlformats.org/presentationml/2006/main" type="titleOnly" preserve="1">
   <p:cSld name="Только заголовок">
     <p:spTree>
       <p:nvGrpSpPr>
@@ -3408,7 +3252,7 @@
             <a:spLocks noGrp="1" noChangeArrowheads="1"/>
             <a:extLst>
               <a:ext uri="smNativeData">
-                <pr:smNativeData xmlns:pr="smNativeData" xmlns="smNativeData" val="SMDATA_16_xzE7ZxMAAAAlAAAAZAAAAA0AAAAAkAAAAEgAAACQAAAASAAAAAAAAAABAAAAAAAAAAEAAABQAAAAAAAAAAAA4D8AAAAAAADgPwAAAAAAAOA/AAAAAAAA4D8AAAAAAADgPwAAAAAAAOA/AAAAAAAA4D8AAAAAAADgPwAAAAAAAOA/AAAAAAAA4D8CAAAAjAAAAAAAAAAAAAAARHLEDP///wgAAAAAAAAAAAAAAAAAAAAAAAAAAAAAAAAAAAAAZAAAAAEAAABAAAAAAAAAAAAAAAAAAAAAAAAAAAAAAAAAAAAAAAAAAAAAAAAAAAAAAAAAAAAAAAAAAAAAAAAAAAAAAAAAAAAAAAAAAAAAAAAAAAAAAAAAAAAAAAAAAAAAFAAAADwAAAAAAAAAAAAAAAAAAAkUAAAAAQAAABQAAAAUAAAAFAAAAAEAAAAAAAAAZAAAAGQAAAAAAAAAZAAAAGQAAAAVAAAAYAAAAAAAAAAAAAAADwAAACADAAAAAAAAAAAAAAEAAACgMgAAVgcAAKr4//8BAAAAf39/AAEAAABkAAAAAAAAABQAAABAHwAAAAAAACYAAAAAAAAAwOD//wAAAAAmAAAAZAAAABYAAABMAAAAAAAAAAAAAAAEAAAAAAAAAAEAAADn5uYKAAAAACgAAAAoAAAAZAAAAGQAAAAAAAAAzMzMAAAAAABQAAAAUAAAAGQAAABkAAAAAAAAABcAAAAUAAAAAAAAAAAAAAD/fwAA/38AAAAAAAAJAAAABAAAAAAAAAAeAAAAaAAAAAAAAAAAAAAAAAAAAAAAAAAAAAAAECcAABAnAAAAAAAAAAAAAAAAAAAAAAAAAAAAAAAAAAAAAAAAAAAAABQAAAAAAAAAwMD/AAAAAABkAAAAMgAAAAAAAABkAAAAAAAAAH9/fwAKAAAAIgAAABgAAAAAAAAAAAAAAAAAAAAAAAAAAAAAAAAAAAAkAAAAJAAAAAAAAAAHAAAAAAAAAAAAAAAAAAAAAAAAAAAAAAAAAAAAf39/ACUAAABYAAAAAAAAAAAAAAAAAAAAAAAAAAAAAAAAAAAAAAAAAAAAAAAAAAAAAAAAAAAAAAA/AAAAAAAAAKCGAQAAAAAAAAAAAAAAAAAMAAAAAQAAAAAAAAAAAAAAAAAAAB8AAABUAAAAAAAABQAAAAEAAAAAAAAAAAAAAAAAAAAAAAAAAAAAAAAAAAAAAAAAAAAAAAJ/f38AAAAAA8zMzADAwP8Af39/AAAAAAAAAAAAAAAAAAAAAAAAAAAAIQAAABgAAAAUAAAAKAUAAD8CAADYRQAAZwoAABAAAAAmAAAACAAAAAAAAAAAAAAAMAAAABQAAAAAAAAAAAD//wAAAQAAAP//AAABAA=="/>
+                <pr:smNativeData xmlns:mc="http://schemas.openxmlformats.org/markup-compatibility/2006" xmlns:p14="http://schemas.microsoft.com/office/powerpoint/2010/main" xmlns:p15="http://schemas.microsoft.com/office/powerpoint/2012/main" xmlns:pr="smNativeData" xmlns="smNativeData" val="SMDATA_16_xzE7ZxMAAAAlAAAAZAAAAA0AAAAAkAAAAEgAAACQAAAASAAAAAAAAAABAAAAAAAAAAEAAABQAAAAAAAAAAAA4D8AAAAAAADgPwAAAAAAAOA/AAAAAAAA4D8AAAAAAADgPwAAAAAAAOA/AAAAAAAA4D8AAAAAAADgPwAAAAAAAOA/AAAAAAAA4D8CAAAAjAAAAAAAAAAAAAAARHLEDP///wgAAAAAAAAAAAAAAAAAAAAAAAAAAAAAAAAAAAAAZAAAAAEAAABAAAAAAAAAAAAAAAAAAAAAAAAAAAAAAAAAAAAAAAAAAAAAAAAAAAAAAAAAAAAAAAAAAAAAAAAAAAAAAAAAAAAAAAAAAAAAAAAAAAAAAAAAAAAAAAAAAAAAFAAAADwAAAAAAAAAAAAAAAAAAAkUAAAAAQAAABQAAAAUAAAAFAAAAAEAAAAAAAAAZAAAAGQAAAAAAAAAZAAAAGQAAAAVAAAAYAAAAAAAAAAAAAAADwAAACADAAAAAAAAAAAAAAEAAACgMgAAVgcAAKr4//8BAAAAf39/AAEAAABkAAAAAAAAABQAAABAHwAAAAAAACYAAAAAAAAAwOD//wAAAAAmAAAAZAAAABYAAABMAAAAAAAAAAAAAAAEAAAAAAAAAAEAAADn5uYKAAAAACgAAAAoAAAAZAAAAGQAAAAAAAAAzMzMAAAAAABQAAAAUAAAAGQAAABkAAAAAAAAABcAAAAUAAAAAAAAAAAAAAD/fwAA/38AAAAAAAAJAAAABAAAAAAAAAAeAAAAaAAAAAAAAAAAAAAAAAAAAAAAAAAAAAAAECcAABAnAAAAAAAAAAAAAAAAAAAAAAAAAAAAAAAAAAAAAAAAAAAAABQAAAAAAAAAwMD/AAAAAABkAAAAMgAAAAAAAABkAAAAAAAAAH9/fwAKAAAAIgAAABgAAAAAAAAAAAAAAAAAAAAAAAAAAAAAAAAAAAAkAAAAJAAAAAAAAAAHAAAAAAAAAAAAAAAAAAAAAAAAAAAAAAAAAAAAf39/ACUAAABYAAAAAAAAAAAAAAAAAAAAAAAAAAAAAAAAAAAAAAAAAAAAAAAAAAAAAAAAAAAAAAA/AAAAAAAAAKCGAQAAAAAAAAAAAAAAAAAMAAAAAQAAAAAAAAAAAAAAAAAAAB8AAABUAAAAAAAABQAAAAEAAAAAAAAAAAAAAAAAAAAAAAAAAAAAAAAAAAAAAAAAAAAAAAJ/f38AAAAAA8zMzADAwP8Af39/AAAAAAAAAAAAAAAAAAAAAAAAAAAAIQAAABgAAAAUAAAAKAUAAD8CAADYRQAAZwoAABAAAAAmAAAACAAAAAAAAAAAAAAAMAAAABQAAAAAAAAAAAD//wAAAQAAAP//AAABAA=="/>
               </a:ext>
             </a:extLst>
           </p:cNvSpPr>
@@ -3437,7 +3281,7 @@
             <a:spLocks noGrp="1" noChangeArrowheads="1"/>
             <a:extLst>
               <a:ext uri="smNativeData">
-                <pr:smNativeData xmlns:pr="smNativeData" xmlns="smNativeData" val="SMDATA_16_xzE7ZxMAAAAlAAAAZAAAAA0AAAAAkAAAAEgAAACQAAAASAAAAAAAAAABAAAAAAAAAAEAAABQAAAAAAAAAAAA4D8AAAAAAADgPwAAAAAAAOA/AAAAAAAA4D8AAAAAAADgPwAAAAAAAOA/AAAAAAAA4D8AAAAAAADgPwAAAAAAAOA/AAAAAAAA4D8CAAAAjAAAAAAAAAAAAAAARHLEDP///wgAAAAAAAAAAAAAAAAAAAAAAAAAAAAAAAAAAAAAZAAAAAEAAABAAAAAAAAAAAAAAAAAAAAAAAAAAAAAAAAAAAAAAAAAAAAAAAAAAAAAAAAAAAAAAAAAAAAAAAAAAAAAAAAAAAAAAAAAAAAAAAAAAAAAAAAAAAAAAAAAAAAAFAAAADwAAAAAAAAAAAAAAAAAAAkUAAAAAQAAABQAAAAUAAAAFAAAAAEAAAAAAAAAZAAAAGQAAAAAAAAAZAAAAGQAAAAVAAAAYAAAAAAAAAAAAAAADwAAACADAAAAAAAAAAAAAAEAAACgMgAAVgcAAKr4//8BAAAAf39/AAEAAABkAAAAAAAAABQAAABAHwAAAAAAACYAAAAAAAAAwOD//wAAAAAmAAAAZAAAABYAAABMAAAAAAAAAAAAAAAEAAAAAAAAAAEAAADn5uYKAAAAACgAAAAoAAAAZAAAAGQAAAAAAAAAzMzMAAAAAABQAAAAUAAAAGQAAABkAAAAAAAAABcAAAAUAAAAAAAAAAAAAAD/fwAA/38AAAAAAAAJAAAABAAAAAAAAAAeAAAAaAAAAAAAAAAAAAAAAAAAAAAAAAAAAAAAECcAABAnAAAAAAAAAAAAAAAAAAAAAAAAAAAAAAAAAAAAAAAAAAAAABQAAAAAAAAAwMD/AAAAAABkAAAAMgAAAAAAAABkAAAAAAAAAH9/fwAKAAAAIgAAABgAAAAAAAAAAAAAAAAAAAAAAAAAAAAAAAAAAAAkAAAAJAAAAAAAAAAHAAAAAAAAAAAAAAAAAAAAAAAAAAAAAAAAAAAAf39/ACUAAABYAAAAAAAAAAAAAAAAAAAAAAAAAAAAAAAAAAAAAAAAAAAAAAAAAAAAAAAAAAAAAAA/AAAAAAAAAKCGAQAAAAAAAAAAAAAAAAAMAAAAAQAAAAAAAAAAAAAAAAAAAB8AAABUAAAAAAAABQAAAAEAAAAAAAAAAAAAAAAAAAAAAAAAAAAAAAAAAAAAAAAAAAAAAAJ/f38AAAAAA8zMzADAwP8Af39/AAAAAAAAAAAAAAAAAAAAAAAAAAAAIQAAABgAAAAUAAAAKAUAABonAAAIFgAAWSkAABAAAAAmAAAACAAAAAAAAAAAAAAAMAAAABQAAAAAAAAAAAD//wAAAQAAAP//AAABAA=="/>
+                <pr:smNativeData xmlns:mc="http://schemas.openxmlformats.org/markup-compatibility/2006" xmlns:p14="http://schemas.microsoft.com/office/powerpoint/2010/main" xmlns:p15="http://schemas.microsoft.com/office/powerpoint/2012/main" xmlns:pr="smNativeData" xmlns="smNativeData" val="SMDATA_16_xzE7ZxMAAAAlAAAAZAAAAA0AAAAAkAAAAEgAAACQAAAASAAAAAAAAAABAAAAAAAAAAEAAABQAAAAAAAAAAAA4D8AAAAAAADgPwAAAAAAAOA/AAAAAAAA4D8AAAAAAADgPwAAAAAAAOA/AAAAAAAA4D8AAAAAAADgPwAAAAAAAOA/AAAAAAAA4D8CAAAAjAAAAAAAAAAAAAAARHLEDP///wgAAAAAAAAAAAAAAAAAAAAAAAAAAAAAAAAAAAAAZAAAAAEAAABAAAAAAAAAAAAAAAAAAAAAAAAAAAAAAAAAAAAAAAAAAAAAAAAAAAAAAAAAAAAAAAAAAAAAAAAAAAAAAAAAAAAAAAAAAAAAAAAAAAAAAAAAAAAAAAAAAAAAFAAAADwAAAAAAAAAAAAAAAAAAAkUAAAAAQAAABQAAAAUAAAAFAAAAAEAAAAAAAAAZAAAAGQAAAAAAAAAZAAAAGQAAAAVAAAAYAAAAAAAAAAAAAAADwAAACADAAAAAAAAAAAAAAEAAACgMgAAVgcAAKr4//8BAAAAf39/AAEAAABkAAAAAAAAABQAAABAHwAAAAAAACYAAAAAAAAAwOD//wAAAAAmAAAAZAAAABYAAABMAAAAAAAAAAAAAAAEAAAAAAAAAAEAAADn5uYKAAAAACgAAAAoAAAAZAAAAGQAAAAAAAAAzMzMAAAAAABQAAAAUAAAAGQAAABkAAAAAAAAABcAAAAUAAAAAAAAAAAAAAD/fwAA/38AAAAAAAAJAAAABAAAAAAAAAAeAAAAaAAAAAAAAAAAAAAAAAAAAAAAAAAAAAAAECcAABAnAAAAAAAAAAAAAAAAAAAAAAAAAAAAAAAAAAAAAAAAAAAAABQAAAAAAAAAwMD/AAAAAABkAAAAMgAAAAAAAABkAAAAAAAAAH9/fwAKAAAAIgAAABgAAAAAAAAAAAAAAAAAAAAAAAAAAAAAAAAAAAAkAAAAJAAAAAAAAAAHAAAAAAAAAAAAAAAAAAAAAAAAAAAAAAAAAAAAf39/ACUAAABYAAAAAAAAAAAAAAAAAAAAAAAAAAAAAAAAAAAAAAAAAAAAAAAAAAAAAAAAAAAAAAA/AAAAAAAAAKCGAQAAAAAAAAAAAAAAAAAMAAAAAQAAAAAAAAAAAAAAAAAAAB8AAABUAAAAAAAABQAAAAEAAAAAAAAAAAAAAAAAAAAAAAAAAAAAAAAAAAAAAAAAAAAAAAJ/f38AAAAAA8zMzADAwP8Af39/AAAAAAAAAAAAAAAAAAAAAAAAAAAAIQAAABgAAAAUAAAAKAUAABonAAAIFgAAWSkAABAAAAAmAAAACAAAAAAAAAAAAAAAMAAAABQAAAAAAAAAAAD//wAAAQAAAP//AAABAA=="/>
               </a:ext>
             </a:extLst>
           </p:cNvSpPr>
@@ -3454,8 +3298,9 @@
               <a:defRPr lang="ru-ru"/>
             </a:pPr>
             <a:fld id="{3BC5A488-C6D6-9052-987D-3007EA336E65}" type="datetime1">
-              <a:t>18.11.2024</a:t>
+              <a:t>20.11.2024</a:t>
             </a:fld>
+            <a:endParaRPr/>
           </a:p>
         </p:txBody>
       </p:sp>
@@ -3466,7 +3311,7 @@
             <a:spLocks noGrp="1" noChangeArrowheads="1"/>
             <a:extLst>
               <a:ext uri="smNativeData">
-                <pr:smNativeData xmlns:pr="smNativeData" xmlns="smNativeData" val="SMDATA_16_xzE7ZxMAAAAlAAAAZAAAAA0AAAAAkAAAAEgAAACQAAAASAAAAAAAAAABAAAAAAAAAAEAAABQAAAAAAAAAAAA4D8AAAAAAADgPwAAAAAAAOA/AAAAAAAA4D8AAAAAAADgPwAAAAAAAOA/AAAAAAAA4D8AAAAAAADgPwAAAAAAAOA/AAAAAAAA4D8CAAAAjAAAAAAAAAAAAAAARHLEDP///wgAAAAAAAAAAAAAAAAAAAAAAAAAAAAAAAAAAAAAZAAAAAEAAABAAAAAAAAAAAAAAAAAAAAAAAAAAAAAAAAAAAAAAAAAAAAAAAAAAAAAAAAAAAAAAAAAAAAAAAAAAAAAAAAAAAAAAAAAAAAAAAAAAAAAAAAAAAAAAAAAAAAAFAAAADwAAAAAAAAAAAAAAAAAAAkUAAAAAQAAABQAAAAUAAAAFAAAAAEAAAAAAAAAZAAAAGQAAAAAAAAAZAAAAGQAAAAVAAAAYAAAAAAAAAAAAAAADwAAACADAAAAAAAAAAAAAAEAAACgMgAAVgcAAKr4//8BAAAAf39/AAEAAABkAAAAAAAAABQAAABAHwAAAAAAACYAAAAAAAAAwOD//wAAAAAmAAAAZAAAABYAAABMAAAAAAAAAAAAAAAEAAAAAAAAAAEAAADn5uYKAAAAACgAAAAoAAAAZAAAAGQAAAAAAAAAzMzMAAAAAABQAAAAUAAAAGQAAABkAAAAAAAAABcAAAAUAAAAAAAAAAAAAAD/fwAA/38AAAAAAAAJAAAABAAAAAAAAAAeAAAAaAAAAAAAAAAAAAAAAAAAAAAAAAAAAAAAECcAABAnAAAAAAAAAAAAAAAAAAAAAAAAAAAAAAAAAAAAAAAAAAAAABQAAAAAAAAAwMD/AAAAAABkAAAAMgAAAAAAAABkAAAAAAAAAH9/fwAKAAAAIgAAABgAAAAAAAAAAAAAAAAAAAAAAAAAAAAAAAAAAAAkAAAAJAAAAAAAAAAHAAAAAAAAAAAAAAAAAAAAAAAAAAAAAAAAAAAAf39/ACUAAABYAAAAAAAAAAAAAAAAAAAAAAAAAAAAAAAAAAAAAAAAAAAAAAAAAAAAAAAAAAAAAAA/AAAAAAAAAKCGAQAAAAAAAAAAAAAAAAAMAAAAAQAAAAAAAAAAAAAAAAAAAB8AAABUAAAAAAAABQAAAAEAAAAAAAAAAAAAAAAAAAAAAAAAAAAAAAAAAAAAAAAAAAAAAAJ/f38AAAAAA8zMzADAwP8Af39/AAAAAAAAAAAAAAAAAAAAAAAAAAAAIQAAABgAAAAUAAAA2BgAABonAAAoMgAAWSkAABAAAAAmAAAACAAAAAAAAAAAAAAAMAAAABQAAAAAAAAAAAD//wAAAQAAAP//AAABAA=="/>
+                <pr:smNativeData xmlns:mc="http://schemas.openxmlformats.org/markup-compatibility/2006" xmlns:p14="http://schemas.microsoft.com/office/powerpoint/2010/main" xmlns:p15="http://schemas.microsoft.com/office/powerpoint/2012/main" xmlns:pr="smNativeData" xmlns="smNativeData" val="SMDATA_16_xzE7ZxMAAAAlAAAAZAAAAA0AAAAAkAAAAEgAAACQAAAASAAAAAAAAAABAAAAAAAAAAEAAABQAAAAAAAAAAAA4D8AAAAAAADgPwAAAAAAAOA/AAAAAAAA4D8AAAAAAADgPwAAAAAAAOA/AAAAAAAA4D8AAAAAAADgPwAAAAAAAOA/AAAAAAAA4D8CAAAAjAAAAAAAAAAAAAAARHLEDP///wgAAAAAAAAAAAAAAAAAAAAAAAAAAAAAAAAAAAAAZAAAAAEAAABAAAAAAAAAAAAAAAAAAAAAAAAAAAAAAAAAAAAAAAAAAAAAAAAAAAAAAAAAAAAAAAAAAAAAAAAAAAAAAAAAAAAAAAAAAAAAAAAAAAAAAAAAAAAAAAAAAAAAFAAAADwAAAAAAAAAAAAAAAAAAAkUAAAAAQAAABQAAAAUAAAAFAAAAAEAAAAAAAAAZAAAAGQAAAAAAAAAZAAAAGQAAAAVAAAAYAAAAAAAAAAAAAAADwAAACADAAAAAAAAAAAAAAEAAACgMgAAVgcAAKr4//8BAAAAf39/AAEAAABkAAAAAAAAABQAAABAHwAAAAAAACYAAAAAAAAAwOD//wAAAAAmAAAAZAAAABYAAABMAAAAAAAAAAAAAAAEAAAAAAAAAAEAAADn5uYKAAAAACgAAAAoAAAAZAAAAGQAAAAAAAAAzMzMAAAAAABQAAAAUAAAAGQAAABkAAAAAAAAABcAAAAUAAAAAAAAAAAAAAD/fwAA/38AAAAAAAAJAAAABAAAAAAAAAAeAAAAaAAAAAAAAAAAAAAAAAAAAAAAAAAAAAAAECcAABAnAAAAAAAAAAAAAAAAAAAAAAAAAAAAAAAAAAAAAAAAAAAAABQAAAAAAAAAwMD/AAAAAABkAAAAMgAAAAAAAABkAAAAAAAAAH9/fwAKAAAAIgAAABgAAAAAAAAAAAAAAAAAAAAAAAAAAAAAAAAAAAAkAAAAJAAAAAAAAAAHAAAAAAAAAAAAAAAAAAAAAAAAAAAAAAAAAAAAf39/ACUAAABYAAAAAAAAAAAAAAAAAAAAAAAAAAAAAAAAAAAAAAAAAAAAAAAAAAAAAAAAAAAAAAA/AAAAAAAAAKCGAQAAAAAAAAAAAAAAAAAMAAAAAQAAAAAAAAAAAAAAAAAAAB8AAABUAAAAAAAABQAAAAEAAAAAAAAAAAAAAAAAAAAAAAAAAAAAAAAAAAAAAAAAAAAAAAJ/f38AAAAAA8zMzADAwP8Af39/AAAAAAAAAAAAAAAAAAAAAAAAAAAAIQAAABgAAAAUAAAA2BgAABonAAAoMgAAWSkAABAAAAAmAAAACAAAAAAAAAAAAAAAMAAAABQAAAAAAAAAAAD//wAAAQAAAP//AAABAA=="/>
               </a:ext>
             </a:extLst>
           </p:cNvSpPr>
@@ -3482,6 +3327,7 @@
             <a:pPr>
               <a:defRPr lang="ru-ru"/>
             </a:pPr>
+            <a:endParaRPr/>
           </a:p>
         </p:txBody>
       </p:sp>
@@ -3492,7 +3338,7 @@
             <a:spLocks noGrp="1" noChangeArrowheads="1"/>
             <a:extLst>
               <a:ext uri="smNativeData">
-                <pr:smNativeData xmlns:pr="smNativeData" xmlns="smNativeData" val="SMDATA_16_xzE7ZxMAAAAlAAAAZAAAAA0AAAAAkAAAAEgAAACQAAAASAAAAAAAAAABAAAAAAAAAAEAAABQAAAAAAAAAAAA4D8AAAAAAADgPwAAAAAAAOA/AAAAAAAA4D8AAAAAAADgPwAAAAAAAOA/AAAAAAAA4D8AAAAAAADgPwAAAAAAAOA/AAAAAAAA4D8CAAAAjAAAAAAAAAAAAAAARHLEDP///wgAAAAAAAAAAAAAAAAAAAAAAAAAAAAAAAAAAAAAZAAAAAEAAABAAAAAAAAAAAAAAAAAAAAAAAAAAAAAAAAAAAAAAAAAAAAAAAAAAAAAAAAAAAAAAAAAAAAAAAAAAAAAAAAAAAAAAAAAAAAAAAAAAAAAAAAAAAAAAAAAAAAAFAAAADwAAAAAAAAAAAAAAAAAAAkUAAAAAQAAABQAAAAUAAAAFAAAAAEAAAAAAAAAZAAAAGQAAAAAAAAAZAAAAGQAAAAVAAAAYAAAAAAAAAAAAAAADwAAACADAAAAAAAAAAAAAAEAAACgMgAAVgcAAKr4//8BAAAAf39/AAEAAABkAAAAAAAAABQAAABAHwAAAAAAACYAAAAAAAAAwOD//wAAAAAmAAAAZAAAABYAAABMAAAAAAAAAAAAAAAEAAAAAAAAAAEAAADn5uYKAAAAACgAAAAoAAAAZAAAAGQAAAAAAAAAzMzMAAAAAABQAAAAUAAAAGQAAABkAAAAAAAAABcAAAAUAAAAAAAAAAAAAAD/fwAA/38AAAAAAAAJAAAABAAAAAAAAAAeAAAAaAAAAAAAAAAAAAAAAAAAAAAAAAAAAAAAECcAABAnAAAAAAAAAAAAAAAAAAAAAAAAAAAAAAAAAAAAAAAAAAAAABQAAAAAAAAAwMD/AAAAAABkAAAAMgAAAAAAAABkAAAAAAAAAH9/fwAKAAAAIgAAABgAAAAAAAAAAAAAAAAAAAAAAAAAAAAAAAAAAAAkAAAAJAAAAAAAAAAHAAAAAAAAAAAAAAAAAAAAAAAAAAAAAAAAAAAAf39/ACUAAABYAAAAAAAAAAAAAAAAAAAAAAAAAAAAAAAAAAAAAAAAAAAAAAAAAAAAAAAAAAAAAAA/AAAAAAAAAKCGAQAAAAAAAAAAAAAAAAAMAAAAAQAAAAAAAAAAAAAAAAAAAB8AAABUAAAAAAAABQAAAAEAAAAAAAAAAAAAAAAAAAAAAAAAAAAAAAAAAAAAAAAAAAAAAAJ/f38AAAAAA8zMzADAwP8Af39/AAAAAAAAAAAAAAAAAAAAAAAAAAAAIQAAABgAAAAUAAAA+DQAABonAADYRQAAWSkAABAAAAAmAAAACAAAAAAAAAAAAAAAMAAAABQAAAAAAAAAAAD//wAAAQAAAP//AAABAA=="/>
+                <pr:smNativeData xmlns:mc="http://schemas.openxmlformats.org/markup-compatibility/2006" xmlns:p14="http://schemas.microsoft.com/office/powerpoint/2010/main" xmlns:p15="http://schemas.microsoft.com/office/powerpoint/2012/main" xmlns:pr="smNativeData" xmlns="smNativeData" val="SMDATA_16_xzE7ZxMAAAAlAAAAZAAAAA0AAAAAkAAAAEgAAACQAAAASAAAAAAAAAABAAAAAAAAAAEAAABQAAAAAAAAAAAA4D8AAAAAAADgPwAAAAAAAOA/AAAAAAAA4D8AAAAAAADgPwAAAAAAAOA/AAAAAAAA4D8AAAAAAADgPwAAAAAAAOA/AAAAAAAA4D8CAAAAjAAAAAAAAAAAAAAARHLEDP///wgAAAAAAAAAAAAAAAAAAAAAAAAAAAAAAAAAAAAAZAAAAAEAAABAAAAAAAAAAAAAAAAAAAAAAAAAAAAAAAAAAAAAAAAAAAAAAAAAAAAAAAAAAAAAAAAAAAAAAAAAAAAAAAAAAAAAAAAAAAAAAAAAAAAAAAAAAAAAAAAAAAAAFAAAADwAAAAAAAAAAAAAAAAAAAkUAAAAAQAAABQAAAAUAAAAFAAAAAEAAAAAAAAAZAAAAGQAAAAAAAAAZAAAAGQAAAAVAAAAYAAAAAAAAAAAAAAADwAAACADAAAAAAAAAAAAAAEAAACgMgAAVgcAAKr4//8BAAAAf39/AAEAAABkAAAAAAAAABQAAABAHwAAAAAAACYAAAAAAAAAwOD//wAAAAAmAAAAZAAAABYAAABMAAAAAAAAAAAAAAAEAAAAAAAAAAEAAADn5uYKAAAAACgAAAAoAAAAZAAAAGQAAAAAAAAAzMzMAAAAAABQAAAAUAAAAGQAAABkAAAAAAAAABcAAAAUAAAAAAAAAAAAAAD/fwAA/38AAAAAAAAJAAAABAAAAAAAAAAeAAAAaAAAAAAAAAAAAAAAAAAAAAAAAAAAAAAAECcAABAnAAAAAAAAAAAAAAAAAAAAAAAAAAAAAAAAAAAAAAAAAAAAABQAAAAAAAAAwMD/AAAAAABkAAAAMgAAAAAAAABkAAAAAAAAAH9/fwAKAAAAIgAAABgAAAAAAAAAAAAAAAAAAAAAAAAAAAAAAAAAAAAkAAAAJAAAAAAAAAAHAAAAAAAAAAAAAAAAAAAAAAAAAAAAAAAAAAAAf39/ACUAAABYAAAAAAAAAAAAAAAAAAAAAAAAAAAAAAAAAAAAAAAAAAAAAAAAAAAAAAAAAAAAAAA/AAAAAAAAAKCGAQAAAAAAAAAAAAAAAAAMAAAAAQAAAAAAAAAAAAAAAAAAAB8AAABUAAAAAAAABQAAAAEAAAAAAAAAAAAAAAAAAAAAAAAAAAAAAAAAAAAAAAAAAAAAAAJ/f38AAAAAA8zMzADAwP8Af39/AAAAAAAAAAAAAAAAAAAAAAAAAAAAIQAAABgAAAAUAAAA+DQAABonAADYRQAAWSkAABAAAAAmAAAACAAAAAAAAAAAAAAAMAAAABQAAAAAAAAAAAD//wAAAQAAAP//AAABAA=="/>
               </a:ext>
             </a:extLst>
           </p:cNvSpPr>
@@ -3511,6 +3357,7 @@
             <a:fld id="{3BC58921-6FD6-907F-987D-992AC7336ECC}" type="slidenum">
               <a:t>‹#›</a:t>
             </a:fld>
+            <a:endParaRPr/>
           </a:p>
         </p:txBody>
       </p:sp>
@@ -3524,7 +3371,7 @@
 </file>
 
 <file path=ppt/slideLayouts/slideLayout7.xml><?xml version="1.0" encoding="utf-8"?>
-<p:sldLayout xmlns:p="http://schemas.openxmlformats.org/presentationml/2006/main" xmlns:mc="http://schemas.openxmlformats.org/markup-compatibility/2006" xmlns:p14="http://schemas.microsoft.com/office/powerpoint/2010/main" xmlns:p15="http://schemas.microsoft.com/office/powerpoint/2012/main" xmlns:r="http://schemas.openxmlformats.org/officeDocument/2006/relationships" xmlns:a="http://schemas.openxmlformats.org/drawingml/2006/main" type="blank" preserve="1">
+<p:sldLayout xmlns:a="http://schemas.openxmlformats.org/drawingml/2006/main" xmlns:r="http://schemas.openxmlformats.org/officeDocument/2006/relationships" xmlns:p="http://schemas.openxmlformats.org/presentationml/2006/main" type="blank" preserve="1">
   <p:cSld name="Пустой слайд">
     <p:spTree>
       <p:nvGrpSpPr>
@@ -3547,7 +3394,7 @@
             <a:spLocks noGrp="1" noChangeArrowheads="1"/>
             <a:extLst>
               <a:ext uri="smNativeData">
-                <pr:smNativeData xmlns:pr="smNativeData" xmlns="smNativeData" val="SMDATA_16_xzE7ZxMAAAAlAAAAZAAAAA0AAAAAkAAAAEgAAACQAAAASAAAAAAAAAABAAAAAAAAAAEAAABQAAAAAAAAAAAA4D8AAAAAAADgPwAAAAAAAOA/AAAAAAAA4D8AAAAAAADgPwAAAAAAAOA/AAAAAAAA4D8AAAAAAADgPwAAAAAAAOA/AAAAAAAA4D8CAAAAjAAAAAAAAAAAAAAARHLEDP///wgAAAAAAAAAAAAAAAAAAAAAAAAAAAAAAAAAAAAAZAAAAAEAAABAAAAAAAAAAAAAAAAAAAAAAAAAAAAAAAAAAAAAAAAAAAAAAAAAAAAAAAAAAAAAAAAAAAAAAAAAAAAAAAAAAAAAAAAAAAAAAAAAAAAAAAAAAAAAAAAAAAAAFAAAADwAAAAAAAAAAAAAAAAAAAkUAAAAAQAAABQAAAAUAAAAFAAAAAEAAAAAAAAAZAAAAGQAAAAAAAAAZAAAAGQAAAAVAAAAYAAAAAAAAAAAAAAADwAAACADAAAAAAAAAAAAAAEAAACgMgAAVgcAAKr4//8BAAAAf39/AAEAAABkAAAAAAAAABQAAABAHwAAAAAAACYAAAAAAAAAwOD//wAAAAAmAAAAZAAAABYAAABMAAAAAAAAAAAAAAAEAAAAAAAAAAEAAADn5uYKAAAAACgAAAAoAAAAZAAAAGQAAAAAAAAAzMzMAAAAAABQAAAAUAAAAGQAAABkAAAAAAAAABcAAAAUAAAAAAAAAAAAAAD/fwAA/38AAAAAAAAJAAAABAAAAAAAAAAeAAAAaAAAAAAAAAAAAAAAAAAAAAAAAAAAAAAAECcAABAnAAAAAAAAAAAAAAAAAAAAAAAAAAAAAAAAAAAAAAAAAAAAABQAAAAAAAAAwMD/AAAAAABkAAAAMgAAAAAAAABkAAAAAAAAAH9/fwAKAAAAIgAAABgAAAAAAAAAAAAAAAAAAAAAAAAAAAAAAAAAAAAkAAAAJAAAAAAAAAAHAAAAAAAAAAAAAAAAAAAAAAAAAAAAAAAAAAAAf39/ACUAAABYAAAAAAAAAAAAAAAAAAAAAAAAAAAAAAAAAAAAAAAAAAAAAAAAAAAAAAAAAAAAAAA/AAAAAAAAAKCGAQAAAAAAAAAAAAAAAAAMAAAAAQAAAAAAAAAAAAAAAAAAAB8AAABUAAAAAAAABQAAAAEAAAAAAAAAAAAAAAAAAAAAAAAAAAAAAAAAAAAAAAAAAAAAAAJ/f38AAAAAA8zMzADAwP8Af39/AAAAAAAAAAAAAAAAAAAAAAAAAAAAIQAAABgAAAAUAAAAKAUAABonAAAIFgAAWSkAABAAAAAmAAAACAAAAAAAAAAAAAAAMAAAABQAAAAAAAAAAAD//wAAAQAAAP//AAABAA=="/>
+                <pr:smNativeData xmlns:mc="http://schemas.openxmlformats.org/markup-compatibility/2006" xmlns:p14="http://schemas.microsoft.com/office/powerpoint/2010/main" xmlns:p15="http://schemas.microsoft.com/office/powerpoint/2012/main" xmlns:pr="smNativeData" xmlns="smNativeData" val="SMDATA_16_xzE7ZxMAAAAlAAAAZAAAAA0AAAAAkAAAAEgAAACQAAAASAAAAAAAAAABAAAAAAAAAAEAAABQAAAAAAAAAAAA4D8AAAAAAADgPwAAAAAAAOA/AAAAAAAA4D8AAAAAAADgPwAAAAAAAOA/AAAAAAAA4D8AAAAAAADgPwAAAAAAAOA/AAAAAAAA4D8CAAAAjAAAAAAAAAAAAAAARHLEDP///wgAAAAAAAAAAAAAAAAAAAAAAAAAAAAAAAAAAAAAZAAAAAEAAABAAAAAAAAAAAAAAAAAAAAAAAAAAAAAAAAAAAAAAAAAAAAAAAAAAAAAAAAAAAAAAAAAAAAAAAAAAAAAAAAAAAAAAAAAAAAAAAAAAAAAAAAAAAAAAAAAAAAAFAAAADwAAAAAAAAAAAAAAAAAAAkUAAAAAQAAABQAAAAUAAAAFAAAAAEAAAAAAAAAZAAAAGQAAAAAAAAAZAAAAGQAAAAVAAAAYAAAAAAAAAAAAAAADwAAACADAAAAAAAAAAAAAAEAAACgMgAAVgcAAKr4//8BAAAAf39/AAEAAABkAAAAAAAAABQAAABAHwAAAAAAACYAAAAAAAAAwOD//wAAAAAmAAAAZAAAABYAAABMAAAAAAAAAAAAAAAEAAAAAAAAAAEAAADn5uYKAAAAACgAAAAoAAAAZAAAAGQAAAAAAAAAzMzMAAAAAABQAAAAUAAAAGQAAABkAAAAAAAAABcAAAAUAAAAAAAAAAAAAAD/fwAA/38AAAAAAAAJAAAABAAAAAAAAAAeAAAAaAAAAAAAAAAAAAAAAAAAAAAAAAAAAAAAECcAABAnAAAAAAAAAAAAAAAAAAAAAAAAAAAAAAAAAAAAAAAAAAAAABQAAAAAAAAAwMD/AAAAAABkAAAAMgAAAAAAAABkAAAAAAAAAH9/fwAKAAAAIgAAABgAAAAAAAAAAAAAAAAAAAAAAAAAAAAAAAAAAAAkAAAAJAAAAAAAAAAHAAAAAAAAAAAAAAAAAAAAAAAAAAAAAAAAAAAAf39/ACUAAABYAAAAAAAAAAAAAAAAAAAAAAAAAAAAAAAAAAAAAAAAAAAAAAAAAAAAAAAAAAAAAAA/AAAAAAAAAKCGAQAAAAAAAAAAAAAAAAAMAAAAAQAAAAAAAAAAAAAAAAAAAB8AAABUAAAAAAAABQAAAAEAAAAAAAAAAAAAAAAAAAAAAAAAAAAAAAAAAAAAAAAAAAAAAAJ/f38AAAAAA8zMzADAwP8Af39/AAAAAAAAAAAAAAAAAAAAAAAAAAAAIQAAABgAAAAUAAAAKAUAABonAAAIFgAAWSkAABAAAAAmAAAACAAAAAAAAAAAAAAAMAAAABQAAAAAAAAAAAD//wAAAQAAAP//AAABAA=="/>
               </a:ext>
             </a:extLst>
           </p:cNvSpPr>
@@ -3564,8 +3411,9 @@
               <a:defRPr lang="ru-ru"/>
             </a:pPr>
             <a:fld id="{3BC5EBFE-B0D6-901D-987D-4648A5336E13}" type="datetime1">
-              <a:t/>
+              <a:t>20.11.2024</a:t>
             </a:fld>
+            <a:endParaRPr/>
           </a:p>
         </p:txBody>
       </p:sp>
@@ -3576,7 +3424,7 @@
             <a:spLocks noGrp="1" noChangeArrowheads="1"/>
             <a:extLst>
               <a:ext uri="smNativeData">
-                <pr:smNativeData xmlns:pr="smNativeData" xmlns="smNativeData" val="SMDATA_16_xzE7ZxMAAAAlAAAAZAAAAA0AAAAAkAAAAEgAAACQAAAASAAAAAAAAAABAAAAAAAAAAEAAABQAAAAAAAAAAAA4D8AAAAAAADgPwAAAAAAAOA/AAAAAAAA4D8AAAAAAADgPwAAAAAAAOA/AAAAAAAA4D8AAAAAAADgPwAAAAAAAOA/AAAAAAAA4D8CAAAAjAAAAAAAAAAAAAAARHLEDP///wgAAAAAAAAAAAAAAAAAAAAAAAAAAAAAAAAAAAAAZAAAAAEAAABAAAAAAAAAAAAAAAAAAAAAAAAAAAAAAAAAAAAAAAAAAAAAAAAAAAAAAAAAAAAAAAAAAAAAAAAAAAAAAAAAAAAAAAAAAAAAAAAAAAAAAAAAAAAAAAAAAAAAFAAAADwAAAAAAAAAAAAAAAAAAAkUAAAAAQAAABQAAAAUAAAAFAAAAAEAAAAAAAAAZAAAAGQAAAAAAAAAZAAAAGQAAAAVAAAAYAAAAAAAAAAAAAAADwAAACADAAAAAAAAAAAAAAEAAACgMgAAVgcAAKr4//8BAAAAf39/AAEAAABkAAAAAAAAABQAAABAHwAAAAAAACYAAAAAAAAAwOD//wAAAAAmAAAAZAAAABYAAABMAAAAAAAAAAAAAAAEAAAAAAAAAAEAAADn5uYKAAAAACgAAAAoAAAAZAAAAGQAAAAAAAAAzMzMAAAAAABQAAAAUAAAAGQAAABkAAAAAAAAABcAAAAUAAAAAAAAAAAAAAD/fwAA/38AAAAAAAAJAAAABAAAAAAAAAAeAAAAaAAAAAAAAAAAAAAAAAAAAAAAAAAAAAAAECcAABAnAAAAAAAAAAAAAAAAAAAAAAAAAAAAAAAAAAAAAAAAAAAAABQAAAAAAAAAwMD/AAAAAABkAAAAMgAAAAAAAABkAAAAAAAAAH9/fwAKAAAAIgAAABgAAAAAAAAAAAAAAAAAAAAAAAAAAAAAAAAAAAAkAAAAJAAAAAAAAAAHAAAAAAAAAAAAAAAAAAAAAAAAAAAAAAAAAAAAf39/ACUAAABYAAAAAAAAAAAAAAAAAAAAAAAAAAAAAAAAAAAAAAAAAAAAAAAAAAAAAAAAAAAAAAA/AAAAAAAAAKCGAQAAAAAAAAAAAAAAAAAMAAAAAQAAAAAAAAAAAAAAAAAAAB8AAABUAAAAAAAABQAAAAEAAAAAAAAAAAAAAAAAAAAAAAAAAAAAAAAAAAAAAAAAAAAAAAJ/f38AAAAAA8zMzADAwP8Af39/AAAAAAAAAAAAAAAAAAAAAAAAAAAAIQAAABgAAAAUAAAA2BgAABonAAAoMgAAWSkAABAAAAAmAAAACAAAAAAAAAAAAAAAMAAAABQAAAAAAAAAAAD//wAAAQAAAP//AAABAA=="/>
+                <pr:smNativeData xmlns:mc="http://schemas.openxmlformats.org/markup-compatibility/2006" xmlns:p14="http://schemas.microsoft.com/office/powerpoint/2010/main" xmlns:p15="http://schemas.microsoft.com/office/powerpoint/2012/main" xmlns:pr="smNativeData" xmlns="smNativeData" val="SMDATA_16_xzE7ZxMAAAAlAAAAZAAAAA0AAAAAkAAAAEgAAACQAAAASAAAAAAAAAABAAAAAAAAAAEAAABQAAAAAAAAAAAA4D8AAAAAAADgPwAAAAAAAOA/AAAAAAAA4D8AAAAAAADgPwAAAAAAAOA/AAAAAAAA4D8AAAAAAADgPwAAAAAAAOA/AAAAAAAA4D8CAAAAjAAAAAAAAAAAAAAARHLEDP///wgAAAAAAAAAAAAAAAAAAAAAAAAAAAAAAAAAAAAAZAAAAAEAAABAAAAAAAAAAAAAAAAAAAAAAAAAAAAAAAAAAAAAAAAAAAAAAAAAAAAAAAAAAAAAAAAAAAAAAAAAAAAAAAAAAAAAAAAAAAAAAAAAAAAAAAAAAAAAAAAAAAAAFAAAADwAAAAAAAAAAAAAAAAAAAkUAAAAAQAAABQAAAAUAAAAFAAAAAEAAAAAAAAAZAAAAGQAAAAAAAAAZAAAAGQAAAAVAAAAYAAAAAAAAAAAAAAADwAAACADAAAAAAAAAAAAAAEAAACgMgAAVgcAAKr4//8BAAAAf39/AAEAAABkAAAAAAAAABQAAABAHwAAAAAAACYAAAAAAAAAwOD//wAAAAAmAAAAZAAAABYAAABMAAAAAAAAAAAAAAAEAAAAAAAAAAEAAADn5uYKAAAAACgAAAAoAAAAZAAAAGQAAAAAAAAAzMzMAAAAAABQAAAAUAAAAGQAAABkAAAAAAAAABcAAAAUAAAAAAAAAAAAAAD/fwAA/38AAAAAAAAJAAAABAAAAAAAAAAeAAAAaAAAAAAAAAAAAAAAAAAAAAAAAAAAAAAAECcAABAnAAAAAAAAAAAAAAAAAAAAAAAAAAAAAAAAAAAAAAAAAAAAABQAAAAAAAAAwMD/AAAAAABkAAAAMgAAAAAAAABkAAAAAAAAAH9/fwAKAAAAIgAAABgAAAAAAAAAAAAAAAAAAAAAAAAAAAAAAAAAAAAkAAAAJAAAAAAAAAAHAAAAAAAAAAAAAAAAAAAAAAAAAAAAAAAAAAAAf39/ACUAAABYAAAAAAAAAAAAAAAAAAAAAAAAAAAAAAAAAAAAAAAAAAAAAAAAAAAAAAAAAAAAAAA/AAAAAAAAAKCGAQAAAAAAAAAAAAAAAAAMAAAAAQAAAAAAAAAAAAAAAAAAAB8AAABUAAAAAAAABQAAAAEAAAAAAAAAAAAAAAAAAAAAAAAAAAAAAAAAAAAAAAAAAAAAAAJ/f38AAAAAA8zMzADAwP8Af39/AAAAAAAAAAAAAAAAAAAAAAAAAAAAIQAAABgAAAAUAAAA2BgAABonAAAoMgAAWSkAABAAAAAmAAAACAAAAAAAAAAAAAAAMAAAABQAAAAAAAAAAAD//wAAAQAAAP//AAABAA=="/>
               </a:ext>
             </a:extLst>
           </p:cNvSpPr>
@@ -3592,6 +3440,7 @@
             <a:pPr>
               <a:defRPr lang="ru-ru"/>
             </a:pPr>
+            <a:endParaRPr/>
           </a:p>
         </p:txBody>
       </p:sp>
@@ -3602,7 +3451,7 @@
             <a:spLocks noGrp="1" noChangeArrowheads="1"/>
             <a:extLst>
               <a:ext uri="smNativeData">
-                <pr:smNativeData xmlns:pr="smNativeData" xmlns="smNativeData" val="SMDATA_16_xzE7ZxMAAAAlAAAAZAAAAA0AAAAAkAAAAEgAAACQAAAASAAAAAAAAAABAAAAAAAAAAEAAABQAAAAAAAAAAAA4D8AAAAAAADgPwAAAAAAAOA/AAAAAAAA4D8AAAAAAADgPwAAAAAAAOA/AAAAAAAA4D8AAAAAAADgPwAAAAAAAOA/AAAAAAAA4D8CAAAAjAAAAAAAAAAAAAAARHLEDP///wgAAAAAAAAAAAAAAAAAAAAAAAAAAAAAAAAAAAAAZAAAAAEAAABAAAAAAAAAAAAAAAAAAAAAAAAAAAAAAAAAAAAAAAAAAAAAAAAAAAAAAAAAAAAAAAAAAAAAAAAAAAAAAAAAAAAAAAAAAAAAAAAAAAAAAAAAAAAAAAAAAAAAFAAAADwAAAAAAAAAAAAAAAAAAAkUAAAAAQAAABQAAAAUAAAAFAAAAAEAAAAAAAAAZAAAAGQAAAAAAAAAZAAAAGQAAAAVAAAAYAAAAAAAAAAAAAAADwAAACADAAAAAAAAAAAAAAEAAACgMgAAVgcAAKr4//8BAAAAf39/AAEAAABkAAAAAAAAABQAAABAHwAAAAAAACYAAAAAAAAAwOD//wAAAAAmAAAAZAAAABYAAABMAAAAAAAAAAAAAAAEAAAAAAAAAAEAAADn5uYKAAAAACgAAAAoAAAAZAAAAGQAAAAAAAAAzMzMAAAAAABQAAAAUAAAAGQAAABkAAAAAAAAABcAAAAUAAAAAAAAAAAAAAD/fwAA/38AAAAAAAAJAAAABAAAAAAAAAAeAAAAaAAAAAAAAAAAAAAAAAAAAAAAAAAAAAAAECcAABAnAAAAAAAAAAAAAAAAAAAAAAAAAAAAAAAAAAAAAAAAAAAAABQAAAAAAAAAwMD/AAAAAABkAAAAMgAAAAAAAABkAAAAAAAAAH9/fwAKAAAAIgAAABgAAAAAAAAAAAAAAAAAAAAAAAAAAAAAAAAAAAAkAAAAJAAAAAAAAAAHAAAAAAAAAAAAAAAAAAAAAAAAAAAAAAAAAAAAf39/ACUAAABYAAAAAAAAAAAAAAAAAAAAAAAAAAAAAAAAAAAAAAAAAAAAAAAAAAAAAAAAAAAAAAA/AAAAAAAAAKCGAQAAAAAAAAAAAAAAAAAMAAAAAQAAAAAAAAAAAAAAAAAAAB8AAABUAAAAAAAABQAAAAEAAAAAAAAAAAAAAAAAAAAAAAAAAAAAAAAAAAAAAAAAAAAAAAJ/f38AAAAAA8zMzADAwP8Af39/AAAAAAAAAAAAAAAAAAAAAAAAAAAAIQAAABgAAAAUAAAA+DQAABonAADYRQAAWSkAABAAAAAmAAAACAAAAAAAAAAAAAAAMAAAABQAAAAAAAAAAAD//wAAAQAAAP//AAABAA=="/>
+                <pr:smNativeData xmlns:mc="http://schemas.openxmlformats.org/markup-compatibility/2006" xmlns:p14="http://schemas.microsoft.com/office/powerpoint/2010/main" xmlns:p15="http://schemas.microsoft.com/office/powerpoint/2012/main" xmlns:pr="smNativeData" xmlns="smNativeData" val="SMDATA_16_xzE7ZxMAAAAlAAAAZAAAAA0AAAAAkAAAAEgAAACQAAAASAAAAAAAAAABAAAAAAAAAAEAAABQAAAAAAAAAAAA4D8AAAAAAADgPwAAAAAAAOA/AAAAAAAA4D8AAAAAAADgPwAAAAAAAOA/AAAAAAAA4D8AAAAAAADgPwAAAAAAAOA/AAAAAAAA4D8CAAAAjAAAAAAAAAAAAAAARHLEDP///wgAAAAAAAAAAAAAAAAAAAAAAAAAAAAAAAAAAAAAZAAAAAEAAABAAAAAAAAAAAAAAAAAAAAAAAAAAAAAAAAAAAAAAAAAAAAAAAAAAAAAAAAAAAAAAAAAAAAAAAAAAAAAAAAAAAAAAAAAAAAAAAAAAAAAAAAAAAAAAAAAAAAAFAAAADwAAAAAAAAAAAAAAAAAAAkUAAAAAQAAABQAAAAUAAAAFAAAAAEAAAAAAAAAZAAAAGQAAAAAAAAAZAAAAGQAAAAVAAAAYAAAAAAAAAAAAAAADwAAACADAAAAAAAAAAAAAAEAAACgMgAAVgcAAKr4//8BAAAAf39/AAEAAABkAAAAAAAAABQAAABAHwAAAAAAACYAAAAAAAAAwOD//wAAAAAmAAAAZAAAABYAAABMAAAAAAAAAAAAAAAEAAAAAAAAAAEAAADn5uYKAAAAACgAAAAoAAAAZAAAAGQAAAAAAAAAzMzMAAAAAABQAAAAUAAAAGQAAABkAAAAAAAAABcAAAAUAAAAAAAAAAAAAAD/fwAA/38AAAAAAAAJAAAABAAAAAAAAAAeAAAAaAAAAAAAAAAAAAAAAAAAAAAAAAAAAAAAECcAABAnAAAAAAAAAAAAAAAAAAAAAAAAAAAAAAAAAAAAAAAAAAAAABQAAAAAAAAAwMD/AAAAAABkAAAAMgAAAAAAAABkAAAAAAAAAH9/fwAKAAAAIgAAABgAAAAAAAAAAAAAAAAAAAAAAAAAAAAAAAAAAAAkAAAAJAAAAAAAAAAHAAAAAAAAAAAAAAAAAAAAAAAAAAAAAAAAAAAAf39/ACUAAABYAAAAAAAAAAAAAAAAAAAAAAAAAAAAAAAAAAAAAAAAAAAAAAAAAAAAAAAAAAAAAAA/AAAAAAAAAKCGAQAAAAAAAAAAAAAAAAAMAAAAAQAAAAAAAAAAAAAAAAAAAB8AAABUAAAAAAAABQAAAAEAAAAAAAAAAAAAAAAAAAAAAAAAAAAAAAAAAAAAAAAAAAAAAAJ/f38AAAAAA8zMzADAwP8Af39/AAAAAAAAAAAAAAAAAAAAAAAAAAAAIQAAABgAAAAUAAAA+DQAABonAADYRQAAWSkAABAAAAAmAAAACAAAAAAAAAAAAAAAMAAAABQAAAAAAAAAAAD//wAAAQAAAP//AAABAA=="/>
               </a:ext>
             </a:extLst>
           </p:cNvSpPr>
@@ -3619,8 +3468,9 @@
               <a:defRPr lang="ru-ru"/>
             </a:pPr>
             <a:fld id="{3BC58295-DBD6-9074-987D-2D21CC336E78}" type="slidenum">
-              <a:t/>
+              <a:t>‹#›</a:t>
             </a:fld>
+            <a:endParaRPr/>
           </a:p>
         </p:txBody>
       </p:sp>
@@ -3634,7 +3484,7 @@
 </file>
 
 <file path=ppt/slideLayouts/slideLayout8.xml><?xml version="1.0" encoding="utf-8"?>
-<p:sldLayout xmlns:p="http://schemas.openxmlformats.org/presentationml/2006/main" xmlns:mc="http://schemas.openxmlformats.org/markup-compatibility/2006" xmlns:p14="http://schemas.microsoft.com/office/powerpoint/2010/main" xmlns:p15="http://schemas.microsoft.com/office/powerpoint/2012/main" xmlns:r="http://schemas.openxmlformats.org/officeDocument/2006/relationships" xmlns:a="http://schemas.openxmlformats.org/drawingml/2006/main" type="objTx" preserve="1">
+<p:sldLayout xmlns:a="http://schemas.openxmlformats.org/drawingml/2006/main" xmlns:r="http://schemas.openxmlformats.org/officeDocument/2006/relationships" xmlns:p="http://schemas.openxmlformats.org/presentationml/2006/main" type="objTx" preserve="1">
   <p:cSld name="Объект с подписью">
     <p:spTree>
       <p:nvGrpSpPr>
@@ -3657,7 +3507,7 @@
             <a:spLocks noGrp="1" noChangeArrowheads="1"/>
             <a:extLst>
               <a:ext uri="smNativeData">
-                <pr:smNativeData xmlns:pr="smNativeData" xmlns="smNativeData" val="SMDATA_16_xzE7ZxMAAAAlAAAAZAAAAA0AAAAAkAAAAEgAAACQAAAASAAAAAAAAAACAAAAAAAAAAEAAABQAAAAAAAAAAAA4D8AAAAAAADgPwAAAAAAAOA/AAAAAAAA4D8AAAAAAADgPwAAAAAAAOA/AAAAAAAA4D8AAAAAAADgPwAAAAAAAOA/AAAAAAAA4D8CAAAAjAAAAAAAAAAAAAAARHLEDP///wgAAAAAAAAAAAAAAAAAAAAAAAAAAAAAAAAAAAAAZAAAAAEAAABAAAAAAAAAAAAAAAAAAAAAAAAAAAAAAAAAAAAAAAAAAAAAAAAAAAAAAAAAAAAAAAAAAAAAAAAAAAAAAAAAAAAAAAAAAAAAAAAAAAAAAAAAAAAAAAAAAAAAFAAAADwAAAAAAAAAAAAAAAAAAAkUAAAAAQAAABQAAAAUAAAAFAAAAAEAAAAAAAAAZAAAAGQAAAAAAAAAZAAAAGQAAAAVAAAAYAAAAAAAAAAAAAAADwAAACADAAAAAAAAAAAAAAEAAACgMgAAVgcAAKr4//8BAAAAf39/AAEAAABkAAAAAAAAABQAAABAHwAAAAAAACYAAAAAAAAAwOD//wAAAAAmAAAAZAAAABYAAABMAAAAAAAAAAAAAAAEAAAAAAAAAAEAAADn5uYKAAAAACgAAAAoAAAAZAAAAGQAAAAAAAAAzMzMAAAAAABQAAAAUAAAAGQAAABkAAAAAAAAABcAAAAUAAAAAAAAAAAAAAD/fwAA/38AAAAAAAAJAAAABAAAAAAAAAAeAAAAaAAAAAAAAAAAAAAAAAAAAAAAAAAAAAAAECcAABAnAAAAAAAAAAAAAAAAAAAAAAAAAAAAAAAAAAAAAAAAAAAAABQAAAAAAAAAwMD/AAAAAABkAAAAMgAAAAAAAABkAAAAAAAAAH9/fwAKAAAAIgAAABgAAAAAAAAAAAAAAAAAAAAAAAAAAAAAAAAAAAAkAAAAJAAAAAAAAAAHAAAAAAAAAAAAAAAAAAAAAAAAAAAAAAAAAAAAf39/ACUAAABYAAAAAAAAAAAAAAAAAAAAAAAAAAAAAAAAAAAAAAAAAAAAAAAAAAAAAAAAAAAAAAA/AAAAAAAAAKCGAQAAAAAAAAAAAAAAAAAMAAAAAQAAAAAAAAAAAAAAAAAAAB8AAABUAAAAAAAABQAAAAEAAAAAAAAAAAAAAAAAAAAAAAAAAAAAAAAAAAAAAAAAAAAAAAJ/f38AAAAAA8zMzADAwP8Af39/AAAAAAAAAAAAAAAAAAAAAAAAAAAAIQAAABgAAAAUAAAAKwUAANACAABbHQAAqAwAABAAAAAmAAAACAAAAIGAAAAAAAAAMAAAABQAAAAAAAAAAAD//wAAAQAAAP//AAABAA=="/>
+                <pr:smNativeData xmlns:mc="http://schemas.openxmlformats.org/markup-compatibility/2006" xmlns:p14="http://schemas.microsoft.com/office/powerpoint/2010/main" xmlns:p15="http://schemas.microsoft.com/office/powerpoint/2012/main" xmlns:pr="smNativeData" xmlns="smNativeData" val="SMDATA_16_xzE7ZxMAAAAlAAAAZAAAAA0AAAAAkAAAAEgAAACQAAAASAAAAAAAAAACAAAAAAAAAAEAAABQAAAAAAAAAAAA4D8AAAAAAADgPwAAAAAAAOA/AAAAAAAA4D8AAAAAAADgPwAAAAAAAOA/AAAAAAAA4D8AAAAAAADgPwAAAAAAAOA/AAAAAAAA4D8CAAAAjAAAAAAAAAAAAAAARHLEDP///wgAAAAAAAAAAAAAAAAAAAAAAAAAAAAAAAAAAAAAZAAAAAEAAABAAAAAAAAAAAAAAAAAAAAAAAAAAAAAAAAAAAAAAAAAAAAAAAAAAAAAAAAAAAAAAAAAAAAAAAAAAAAAAAAAAAAAAAAAAAAAAAAAAAAAAAAAAAAAAAAAAAAAFAAAADwAAAAAAAAAAAAAAAAAAAkUAAAAAQAAABQAAAAUAAAAFAAAAAEAAAAAAAAAZAAAAGQAAAAAAAAAZAAAAGQAAAAVAAAAYAAAAAAAAAAAAAAADwAAACADAAAAAAAAAAAAAAEAAACgMgAAVgcAAKr4//8BAAAAf39/AAEAAABkAAAAAAAAABQAAABAHwAAAAAAACYAAAAAAAAAwOD//wAAAAAmAAAAZAAAABYAAABMAAAAAAAAAAAAAAAEAAAAAAAAAAEAAADn5uYKAAAAACgAAAAoAAAAZAAAAGQAAAAAAAAAzMzMAAAAAABQAAAAUAAAAGQAAABkAAAAAAAAABcAAAAUAAAAAAAAAAAAAAD/fwAA/38AAAAAAAAJAAAABAAAAAAAAAAeAAAAaAAAAAAAAAAAAAAAAAAAAAAAAAAAAAAAECcAABAnAAAAAAAAAAAAAAAAAAAAAAAAAAAAAAAAAAAAAAAAAAAAABQAAAAAAAAAwMD/AAAAAABkAAAAMgAAAAAAAABkAAAAAAAAAH9/fwAKAAAAIgAAABgAAAAAAAAAAAAAAAAAAAAAAAAAAAAAAAAAAAAkAAAAJAAAAAAAAAAHAAAAAAAAAAAAAAAAAAAAAAAAAAAAAAAAAAAAf39/ACUAAABYAAAAAAAAAAAAAAAAAAAAAAAAAAAAAAAAAAAAAAAAAAAAAAAAAAAAAAAAAAAAAAA/AAAAAAAAAKCGAQAAAAAAAAAAAAAAAAAMAAAAAQAAAAAAAAAAAAAAAAAAAB8AAABUAAAAAAAABQAAAAEAAAAAAAAAAAAAAAAAAAAAAAAAAAAAAAAAAAAAAAAAAAAAAAJ/f38AAAAAA8zMzADAwP8Af39/AAAAAAAAAAAAAAAAAAAAAAAAAAAAIQAAABgAAAAUAAAAKwUAANACAABbHQAAqAwAABAAAAAmAAAACAAAAIGAAAAAAAAAMAAAABQAAAAAAAAAAAD//wAAAQAAAP//AAABAA=="/>
               </a:ext>
             </a:extLst>
           </p:cNvSpPr>
@@ -3723,7 +3573,7 @@
             <a:spLocks noGrp="1" noChangeArrowheads="1"/>
             <a:extLst>
               <a:ext uri="smNativeData">
-                <pr:smNativeData xmlns:pr="smNativeData" xmlns="smNativeData" val="SMDATA_16_xzE7ZxMAAAAlAAAAZAAAAA0AAAAAkAAAAEgAAACQAAAASAAAAAAAAAAAAAAAAAAAAAEAAABQAAAAAAAAAAAA4D8AAAAAAADgPwAAAAAAAOA/AAAAAAAA4D8AAAAAAADgPwAAAAAAAOA/AAAAAAAA4D8AAAAAAADgPwAAAAAAAOA/AAAAAAAA4D8CAAAAjAAAAAAAAAAAAAAARHLEDP///wgAAAAAAAAAAAAAAAAAAAAAAAAAAAAAAAAAAAAAZAAAAAEAAABAAAAAAAAAAAAAAAAAAAAAAAAAAAAAAAAAAAAAAAAAAAAAAAAAAAAAAAAAAAAAAAAAAAAAAAAAAAAAAAAAAAAAAAAAAAAAAAAAAAAAAAAAAAAAAAAAAAAAFAAAADwAAAAAAAAAAAAAAAAAAAkUAAAAAQAAABQAAAAUAAAAFAAAAAEAAAAAAAAAZAAAAGQAAAAAAAAAZAAAAGQAAAAVAAAAYAAAAAAAAAAAAAAADwAAACADAAAAAAAAAAAAAAEAAACgMgAAVgcAAKr4//8BAAAAf39/AAEAAABkAAAAAAAAABQAAABAHwAAAAAAACYAAAAAAAAAwOD//wAAAAAmAAAAZAAAABYAAABMAAAAAAAAAAAAAAAEAAAAAAAAAAEAAADn5uYKAAAAACgAAAAoAAAAZAAAAGQAAAAAAAAAzMzMAAAAAABQAAAAUAAAAGQAAABkAAAAAAAAABcAAAAUAAAAAAAAAAAAAAD/fwAA/38AAAAAAAAJAAAABAAAAAAAAAAeAAAAaAAAAAAAAAAAAAAAAAAAAAAAAAAAAAAAECcAABAnAAAAAAAAAAAAAAAAAAAAAAAAAAAAAAAAAAAAAAAAAAAAABQAAAAAAAAAwMD/AAAAAABkAAAAMgAAAAAAAABkAAAAAAAAAH9/fwAKAAAAIgAAABgAAAAAAAAAAAAAAAAAAAAAAAAAAAAAAAAAAAAkAAAAJAAAAAAAAAAHAAAAAAAAAAAAAAAAAAAAAAAAAAAAAAAAAAAAf39/ACUAAABYAAAAAAAAAAAAAAAAAAAAAAAAAAAAAAAAAAAAAAAAAAAAAAAAAAAAAAAAAAAAAAA/AAAAAAAAAKCGAQAAAAAAAAAAAAAAAAAMAAAAAQAAAAAAAAAAAAAAAAAAAB8AAABUAAAAAAAABQAAAAEAAAAAAAAAAAAAAAAAAAAAAAAAAAAAAAAAAAAAAAAAAAAAAAJ/f38AAAAAA8zMzADAwP8Af39/AAAAAAAAAAAAAAAAAAAAAAAAAAAAIQAAABgAAAAUAAAA4x8AABMGAADbRQAADiQAABAAAAAmAAAACAAAAAGAAAAAAAAAMAAAABQAAAAAAAAAAAD//wAAAQAAAP//AAABAA=="/>
+                <pr:smNativeData xmlns:mc="http://schemas.openxmlformats.org/markup-compatibility/2006" xmlns:p14="http://schemas.microsoft.com/office/powerpoint/2010/main" xmlns:p15="http://schemas.microsoft.com/office/powerpoint/2012/main" xmlns:pr="smNativeData" xmlns="smNativeData" val="SMDATA_16_xzE7ZxMAAAAlAAAAZAAAAA0AAAAAkAAAAEgAAACQAAAASAAAAAAAAAAAAAAAAAAAAAEAAABQAAAAAAAAAAAA4D8AAAAAAADgPwAAAAAAAOA/AAAAAAAA4D8AAAAAAADgPwAAAAAAAOA/AAAAAAAA4D8AAAAAAADgPwAAAAAAAOA/AAAAAAAA4D8CAAAAjAAAAAAAAAAAAAAARHLEDP///wgAAAAAAAAAAAAAAAAAAAAAAAAAAAAAAAAAAAAAZAAAAAEAAABAAAAAAAAAAAAAAAAAAAAAAAAAAAAAAAAAAAAAAAAAAAAAAAAAAAAAAAAAAAAAAAAAAAAAAAAAAAAAAAAAAAAAAAAAAAAAAAAAAAAAAAAAAAAAAAAAAAAAFAAAADwAAAAAAAAAAAAAAAAAAAkUAAAAAQAAABQAAAAUAAAAFAAAAAEAAAAAAAAAZAAAAGQAAAAAAAAAZAAAAGQAAAAVAAAAYAAAAAAAAAAAAAAADwAAACADAAAAAAAAAAAAAAEAAACgMgAAVgcAAKr4//8BAAAAf39/AAEAAABkAAAAAAAAABQAAABAHwAAAAAAACYAAAAAAAAAwOD//wAAAAAmAAAAZAAAABYAAABMAAAAAAAAAAAAAAAEAAAAAAAAAAEAAADn5uYKAAAAACgAAAAoAAAAZAAAAGQAAAAAAAAAzMzMAAAAAABQAAAAUAAAAGQAAABkAAAAAAAAABcAAAAUAAAAAAAAAAAAAAD/fwAA/38AAAAAAAAJAAAABAAAAAAAAAAeAAAAaAAAAAAAAAAAAAAAAAAAAAAAAAAAAAAAECcAABAnAAAAAAAAAAAAAAAAAAAAAAAAAAAAAAAAAAAAAAAAAAAAABQAAAAAAAAAwMD/AAAAAABkAAAAMgAAAAAAAABkAAAAAAAAAH9/fwAKAAAAIgAAABgAAAAAAAAAAAAAAAAAAAAAAAAAAAAAAAAAAAAkAAAAJAAAAAAAAAAHAAAAAAAAAAAAAAAAAAAAAAAAAAAAAAAAAAAAf39/ACUAAABYAAAAAAAAAAAAAAAAAAAAAAAAAAAAAAAAAAAAAAAAAAAAAAAAAAAAAAAAAAAAAAA/AAAAAAAAAKCGAQAAAAAAAAAAAAAAAAAMAAAAAQAAAAAAAAAAAAAAAAAAAB8AAABUAAAAAAAABQAAAAEAAAAAAAAAAAAAAAAAAAAAAAAAAAAAAAAAAAAAAAAAAAAAAAJ/f38AAAAAA8zMzADAwP8Af39/AAAAAAAAAAAAAAAAAAAAAAAAAAAAIQAAABgAAAAUAAAA4x8AABMGAADbRQAADiQAABAAAAAmAAAACAAAAAGAAAAAAAAAMAAAABQAAAAAAAAAAAD//wAAAQAAAP//AAABAA=="/>
               </a:ext>
             </a:extLst>
           </p:cNvSpPr>
@@ -3817,7 +3667,7 @@
             <a:spLocks noGrp="1" noChangeArrowheads="1"/>
             <a:extLst>
               <a:ext uri="smNativeData">
-                <pr:smNativeData xmlns:pr="smNativeData" xmlns="smNativeData" val="SMDATA_16_xzE7ZxMAAAAlAAAAZAAAAA0AAAAAkAAAAEgAAACQAAAASAAAAAAAAAAAAAAAAAAAAAEAAABQAAAAAAAAAAAA4D8AAAAAAADgPwAAAAAAAOA/AAAAAAAA4D8AAAAAAADgPwAAAAAAAOA/AAAAAAAA4D8AAAAAAADgPwAAAAAAAOA/AAAAAAAA4D8CAAAAjAAAAAAAAAAAAAAARHLEDP///wgAAAAAAAAAAAAAAAAAAAAAAAAAAAAAAAAAAAAAZAAAAAEAAABAAAAAAAAAAAAAAAAAAAAAAAAAAAAAAAAAAAAAAAAAAAAAAAAAAAAAAAAAAAAAAAAAAAAAAAAAAAAAAAAAAAAAAAAAAAAAAAAAAAAAAAAAAAAAAAAAAAAAFAAAADwAAAAAAAAAAAAAAAAAAAkUAAAAAQAAABQAAAAUAAAAFAAAAAEAAAAAAAAAZAAAAGQAAAAAAAAAZAAAAGQAAAAVAAAAYAAAAAAAAAAAAAAADwAAACADAAAAAAAAAAAAAAEAAACgMgAAVgcAAKr4//8BAAAAf39/AAEAAABkAAAAAAAAABQAAABAHwAAAAAAACYAAAAAAAAAwOD//wAAAAAmAAAAZAAAABYAAABMAAAAAAAAAAAAAAAEAAAAAAAAAAEAAADn5uYKAAAAACgAAAAoAAAAZAAAAGQAAAAAAAAAzMzMAAAAAABQAAAAUAAAAGQAAABkAAAAAAAAABcAAAAUAAAAAAAAAAAAAAD/fwAA/38AAAAAAAAJAAAABAAAAAAAAAAeAAAAaAAAAAAAAAAAAAAAAAAAAAAAAAAAAAAAECcAABAnAAAAAAAAAAAAAAAAAAAAAAAAAAAAAAAAAAAAAAAAAAAAABQAAAAAAAAAwMD/AAAAAABkAAAAMgAAAAAAAABkAAAAAAAAAH9/fwAKAAAAIgAAABgAAAAAAAAAAAAAAAAAAAAAAAAAAAAAAAAAAAAkAAAAJAAAAAAAAAAHAAAAAAAAAAAAAAAAAAAAAAAAAAAAAAAAAAAAf39/ACUAAABYAAAAAAAAAAAAAAAAAAAAAAAAAAAAAAAAAAAAAAAAAAAAAAAAAAAAAAAAAAAAAAA/AAAAAAAAAKCGAQAAAAAAAAAAAAAAAAAMAAAAAQAAAAAAAAAAAAAAAAAAAB8AAABUAAAAAAAABQAAAAEAAAAAAAAAAAAAAAAAAAAAAAAAAAAAAAAAAAAAAAAAAAAAAAJ/f38AAAAAA8zMzADAwP8Af39/AAAAAAAAAAAAAAAAAAAAAAAAAAAAIQAAABgAAAAUAAAAKwUAAKgMAABbHQAAGyQAABAAAAAmAAAACAAAAAGAAAAAAAAAMAAAABQAAAAAAAAAAAD//wAAAQAAAP//AAABAA=="/>
+                <pr:smNativeData xmlns:mc="http://schemas.openxmlformats.org/markup-compatibility/2006" xmlns:p14="http://schemas.microsoft.com/office/powerpoint/2010/main" xmlns:p15="http://schemas.microsoft.com/office/powerpoint/2012/main" xmlns:pr="smNativeData" xmlns="smNativeData" val="SMDATA_16_xzE7ZxMAAAAlAAAAZAAAAA0AAAAAkAAAAEgAAACQAAAASAAAAAAAAAAAAAAAAAAAAAEAAABQAAAAAAAAAAAA4D8AAAAAAADgPwAAAAAAAOA/AAAAAAAA4D8AAAAAAADgPwAAAAAAAOA/AAAAAAAA4D8AAAAAAADgPwAAAAAAAOA/AAAAAAAA4D8CAAAAjAAAAAAAAAAAAAAARHLEDP///wgAAAAAAAAAAAAAAAAAAAAAAAAAAAAAAAAAAAAAZAAAAAEAAABAAAAAAAAAAAAAAAAAAAAAAAAAAAAAAAAAAAAAAAAAAAAAAAAAAAAAAAAAAAAAAAAAAAAAAAAAAAAAAAAAAAAAAAAAAAAAAAAAAAAAAAAAAAAAAAAAAAAAFAAAADwAAAAAAAAAAAAAAAAAAAkUAAAAAQAAABQAAAAUAAAAFAAAAAEAAAAAAAAAZAAAAGQAAAAAAAAAZAAAAGQAAAAVAAAAYAAAAAAAAAAAAAAADwAAACADAAAAAAAAAAAAAAEAAACgMgAAVgcAAKr4//8BAAAAf39/AAEAAABkAAAAAAAAABQAAABAHwAAAAAAACYAAAAAAAAAwOD//wAAAAAmAAAAZAAAABYAAABMAAAAAAAAAAAAAAAEAAAAAAAAAAEAAADn5uYKAAAAACgAAAAoAAAAZAAAAGQAAAAAAAAAzMzMAAAAAABQAAAAUAAAAGQAAABkAAAAAAAAABcAAAAUAAAAAAAAAAAAAAD/fwAA/38AAAAAAAAJAAAABAAAAAAAAAAeAAAAaAAAAAAAAAAAAAAAAAAAAAAAAAAAAAAAECcAABAnAAAAAAAAAAAAAAAAAAAAAAAAAAAAAAAAAAAAAAAAAAAAABQAAAAAAAAAwMD/AAAAAABkAAAAMgAAAAAAAABkAAAAAAAAAH9/fwAKAAAAIgAAABgAAAAAAAAAAAAAAAAAAAAAAAAAAAAAAAAAAAAkAAAAJAAAAAAAAAAHAAAAAAAAAAAAAAAAAAAAAAAAAAAAAAAAAAAAf39/ACUAAABYAAAAAAAAAAAAAAAAAAAAAAAAAAAAAAAAAAAAAAAAAAAAAAAAAAAAAAAAAAAAAAA/AAAAAAAAAKCGAQAAAAAAAAAAAAAAAAAMAAAAAQAAAAAAAAAAAAAAAAAAAB8AAABUAAAAAAAABQAAAAEAAAAAAAAAAAAAAAAAAAAAAAAAAAAAAAAAAAAAAAAAAAAAAAJ/f38AAAAAA8zMzADAwP8Af39/AAAAAAAAAAAAAAAAAAAAAAAAAAAAIQAAABgAAAAUAAAAKwUAAKgMAABbHQAAGyQAABAAAAAmAAAACAAAAAGAAAAAAAAAMAAAABQAAAAAAAAAAAD//wAAAQAAAP//AAABAA=="/>
               </a:ext>
             </a:extLst>
           </p:cNvSpPr>
@@ -3888,7 +3738,7 @@
             <a:spLocks noGrp="1" noChangeArrowheads="1"/>
             <a:extLst>
               <a:ext uri="smNativeData">
-                <pr:smNativeData xmlns:pr="smNativeData" xmlns="smNativeData" val="SMDATA_16_xzE7ZxMAAAAlAAAAZAAAAA0AAAAAkAAAAEgAAACQAAAASAAAAAAAAAABAAAAAAAAAAEAAABQAAAAAAAAAAAA4D8AAAAAAADgPwAAAAAAAOA/AAAAAAAA4D8AAAAAAADgPwAAAAAAAOA/AAAAAAAA4D8AAAAAAADgPwAAAAAAAOA/AAAAAAAA4D8CAAAAjAAAAAAAAAAAAAAARHLEDP///wgAAAAAAAAAAAAAAAAAAAAAAAAAAAAAAAAAAAAAZAAAAAEAAABAAAAAAAAAAAAAAAAAAAAAAAAAAAAAAAAAAAAAAAAAAAAAAAAAAAAAAAAAAAAAAAAAAAAAAAAAAAAAAAAAAAAAAAAAAAAAAAAAAAAAAAAAAAAAAAAAAAAAFAAAADwAAAAAAAAAAAAAAAAAAAkUAAAAAQAAABQAAAAUAAAAFAAAAAEAAAAAAAAAZAAAAGQAAAAAAAAAZAAAAGQAAAAVAAAAYAAAAAAAAAAAAAAADwAAACADAAAAAAAAAAAAAAEAAACgMgAAVgcAAKr4//8BAAAAf39/AAEAAABkAAAAAAAAABQAAABAHwAAAAAAACYAAAAAAAAAwOD//wAAAAAmAAAAZAAAABYAAABMAAAAAAAAAAAAAAAEAAAAAAAAAAEAAADn5uYKAAAAACgAAAAoAAAAZAAAAGQAAAAAAAAAzMzMAAAAAABQAAAAUAAAAGQAAABkAAAAAAAAABcAAAAUAAAAAAAAAAAAAAD/fwAA/38AAAAAAAAJAAAABAAAAAAAAAAeAAAAaAAAAAAAAAAAAAAAAAAAAAAAAAAAAAAAECcAABAnAAAAAAAAAAAAAAAAAAAAAAAAAAAAAAAAAAAAAAAAAAAAABQAAAAAAAAAwMD/AAAAAABkAAAAMgAAAAAAAABkAAAAAAAAAH9/fwAKAAAAIgAAABgAAAAAAAAAAAAAAAAAAAAAAAAAAAAAAAAAAAAkAAAAJAAAAAAAAAAHAAAAAAAAAAAAAAAAAAAAAAAAAAAAAAAAAAAAf39/ACUAAABYAAAAAAAAAAAAAAAAAAAAAAAAAAAAAAAAAAAAAAAAAAAAAAAAAAAAAAAAAAAAAAA/AAAAAAAAAKCGAQAAAAAAAAAAAAAAAAAMAAAAAQAAAAAAAAAAAAAAAAAAAB8AAABUAAAAAAAABQAAAAEAAAAAAAAAAAAAAAAAAAAAAAAAAAAAAAAAAAAAAAAAAAAAAAJ/f38AAAAAA8zMzADAwP8Af39/AAAAAAAAAAAAAAAAAAAAAAAAAAAAIQAAABgAAAAUAAAAKAUAABonAAAIFgAAWSkAABAAAAAmAAAACAAAAAAAAAAAAAAAMAAAABQAAAAAAAAAAAD//wAAAQAAAP//AAABAA=="/>
+                <pr:smNativeData xmlns:mc="http://schemas.openxmlformats.org/markup-compatibility/2006" xmlns:p14="http://schemas.microsoft.com/office/powerpoint/2010/main" xmlns:p15="http://schemas.microsoft.com/office/powerpoint/2012/main" xmlns:pr="smNativeData" xmlns="smNativeData" val="SMDATA_16_xzE7ZxMAAAAlAAAAZAAAAA0AAAAAkAAAAEgAAACQAAAASAAAAAAAAAABAAAAAAAAAAEAAABQAAAAAAAAAAAA4D8AAAAAAADgPwAAAAAAAOA/AAAAAAAA4D8AAAAAAADgPwAAAAAAAOA/AAAAAAAA4D8AAAAAAADgPwAAAAAAAOA/AAAAAAAA4D8CAAAAjAAAAAAAAAAAAAAARHLEDP///wgAAAAAAAAAAAAAAAAAAAAAAAAAAAAAAAAAAAAAZAAAAAEAAABAAAAAAAAAAAAAAAAAAAAAAAAAAAAAAAAAAAAAAAAAAAAAAAAAAAAAAAAAAAAAAAAAAAAAAAAAAAAAAAAAAAAAAAAAAAAAAAAAAAAAAAAAAAAAAAAAAAAAFAAAADwAAAAAAAAAAAAAAAAAAAkUAAAAAQAAABQAAAAUAAAAFAAAAAEAAAAAAAAAZAAAAGQAAAAAAAAAZAAAAGQAAAAVAAAAYAAAAAAAAAAAAAAADwAAACADAAAAAAAAAAAAAAEAAACgMgAAVgcAAKr4//8BAAAAf39/AAEAAABkAAAAAAAAABQAAABAHwAAAAAAACYAAAAAAAAAwOD//wAAAAAmAAAAZAAAABYAAABMAAAAAAAAAAAAAAAEAAAAAAAAAAEAAADn5uYKAAAAACgAAAAoAAAAZAAAAGQAAAAAAAAAzMzMAAAAAABQAAAAUAAAAGQAAABkAAAAAAAAABcAAAAUAAAAAAAAAAAAAAD/fwAA/38AAAAAAAAJAAAABAAAAAAAAAAeAAAAaAAAAAAAAAAAAAAAAAAAAAAAAAAAAAAAECcAABAnAAAAAAAAAAAAAAAAAAAAAAAAAAAAAAAAAAAAAAAAAAAAABQAAAAAAAAAwMD/AAAAAABkAAAAMgAAAAAAAABkAAAAAAAAAH9/fwAKAAAAIgAAABgAAAAAAAAAAAAAAAAAAAAAAAAAAAAAAAAAAAAkAAAAJAAAAAAAAAAHAAAAAAAAAAAAAAAAAAAAAAAAAAAAAAAAAAAAf39/ACUAAABYAAAAAAAAAAAAAAAAAAAAAAAAAAAAAAAAAAAAAAAAAAAAAAAAAAAAAAAAAAAAAAA/AAAAAAAAAKCGAQAAAAAAAAAAAAAAAAAMAAAAAQAAAAAAAAAAAAAAAAAAAB8AAABUAAAAAAAABQAAAAEAAAAAAAAAAAAAAAAAAAAAAAAAAAAAAAAAAAAAAAAAAAAAAAJ/f38AAAAAA8zMzADAwP8Af39/AAAAAAAAAAAAAAAAAAAAAAAAAAAAIQAAABgAAAAUAAAAKAUAABonAAAIFgAAWSkAABAAAAAmAAAACAAAAAAAAAAAAAAAMAAAABQAAAAAAAAAAAD//wAAAQAAAP//AAABAA=="/>
               </a:ext>
             </a:extLst>
           </p:cNvSpPr>
@@ -3905,8 +3755,9 @@
               <a:defRPr lang="ru-ru"/>
             </a:pPr>
             <a:fld id="{3BC59E94-DAD6-9068-987D-2C3DD0336E79}" type="datetime1">
-              <a:t>18.11.2024</a:t>
+              <a:t>20.11.2024</a:t>
             </a:fld>
+            <a:endParaRPr/>
           </a:p>
         </p:txBody>
       </p:sp>
@@ -3917,7 +3768,7 @@
             <a:spLocks noGrp="1" noChangeArrowheads="1"/>
             <a:extLst>
               <a:ext uri="smNativeData">
-                <pr:smNativeData xmlns:pr="smNativeData" xmlns="smNativeData" val="SMDATA_16_xzE7ZxMAAAAlAAAAZAAAAA0AAAAAkAAAAEgAAACQAAAASAAAAAAAAAABAAAAAAAAAAEAAABQAAAAAAAAAAAA4D8AAAAAAADgPwAAAAAAAOA/AAAAAAAA4D8AAAAAAADgPwAAAAAAAOA/AAAAAAAA4D8AAAAAAADgPwAAAAAAAOA/AAAAAAAA4D8CAAAAjAAAAAAAAAAAAAAARHLEDP///wgAAAAAAAAAAAAAAAAAAAAAAAAAAAAAAAAAAAAAZAAAAAEAAABAAAAAAAAAAAAAAAAAAAAAAAAAAAAAAAAAAAAAAAAAAAAAAAAAAAAAAAAAAAAAAAAAAAAAAAAAAAAAAAAAAAAAAAAAAAAAAAAAAAAAAAAAAAAAAAAAAAAAFAAAADwAAAAAAAAAAAAAAAAAAAkUAAAAAQAAABQAAAAUAAAAFAAAAAEAAAAAAAAAZAAAAGQAAAAAAAAAZAAAAGQAAAAVAAAAYAAAAAAAAAAAAAAADwAAACADAAAAAAAAAAAAAAEAAACgMgAAVgcAAKr4//8BAAAAf39/AAEAAABkAAAAAAAAABQAAABAHwAAAAAAACYAAAAAAAAAwOD//wAAAAAmAAAAZAAAABYAAABMAAAAAAAAAAAAAAAEAAAAAAAAAAEAAADn5uYKAAAAACgAAAAoAAAAZAAAAGQAAAAAAAAAzMzMAAAAAABQAAAAUAAAAGQAAABkAAAAAAAAABcAAAAUAAAAAAAAAAAAAAD/fwAA/38AAAAAAAAJAAAABAAAAAAAAAAeAAAAaAAAAAAAAAAAAAAAAAAAAAAAAAAAAAAAECcAABAnAAAAAAAAAAAAAAAAAAAAAAAAAAAAAAAAAAAAAAAAAAAAABQAAAAAAAAAwMD/AAAAAABkAAAAMgAAAAAAAABkAAAAAAAAAH9/fwAKAAAAIgAAABgAAAAAAAAAAAAAAAAAAAAAAAAAAAAAAAAAAAAkAAAAJAAAAAAAAAAHAAAAAAAAAAAAAAAAAAAAAAAAAAAAAAAAAAAAf39/ACUAAABYAAAAAAAAAAAAAAAAAAAAAAAAAAAAAAAAAAAAAAAAAAAAAAAAAAAAAAAAAAAAAAA/AAAAAAAAAKCGAQAAAAAAAAAAAAAAAAAMAAAAAQAAAAAAAAAAAAAAAAAAAB8AAABUAAAAAAAABQAAAAEAAAAAAAAAAAAAAAAAAAAAAAAAAAAAAAAAAAAAAAAAAAAAAAJ/f38AAAAAA8zMzADAwP8Af39/AAAAAAAAAAAAAAAAAAAAAAAAAAAAIQAAABgAAAAUAAAA2BgAABonAAAoMgAAWSkAABAAAAAmAAAACAAAAAAAAAAAAAAAMAAAABQAAAAAAAAAAAD//wAAAQAAAP//AAABAA=="/>
+                <pr:smNativeData xmlns:mc="http://schemas.openxmlformats.org/markup-compatibility/2006" xmlns:p14="http://schemas.microsoft.com/office/powerpoint/2010/main" xmlns:p15="http://schemas.microsoft.com/office/powerpoint/2012/main" xmlns:pr="smNativeData" xmlns="smNativeData" val="SMDATA_16_xzE7ZxMAAAAlAAAAZAAAAA0AAAAAkAAAAEgAAACQAAAASAAAAAAAAAABAAAAAAAAAAEAAABQAAAAAAAAAAAA4D8AAAAAAADgPwAAAAAAAOA/AAAAAAAA4D8AAAAAAADgPwAAAAAAAOA/AAAAAAAA4D8AAAAAAADgPwAAAAAAAOA/AAAAAAAA4D8CAAAAjAAAAAAAAAAAAAAARHLEDP///wgAAAAAAAAAAAAAAAAAAAAAAAAAAAAAAAAAAAAAZAAAAAEAAABAAAAAAAAAAAAAAAAAAAAAAAAAAAAAAAAAAAAAAAAAAAAAAAAAAAAAAAAAAAAAAAAAAAAAAAAAAAAAAAAAAAAAAAAAAAAAAAAAAAAAAAAAAAAAAAAAAAAAFAAAADwAAAAAAAAAAAAAAAAAAAkUAAAAAQAAABQAAAAUAAAAFAAAAAEAAAAAAAAAZAAAAGQAAAAAAAAAZAAAAGQAAAAVAAAAYAAAAAAAAAAAAAAADwAAACADAAAAAAAAAAAAAAEAAACgMgAAVgcAAKr4//8BAAAAf39/AAEAAABkAAAAAAAAABQAAABAHwAAAAAAACYAAAAAAAAAwOD//wAAAAAmAAAAZAAAABYAAABMAAAAAAAAAAAAAAAEAAAAAAAAAAEAAADn5uYKAAAAACgAAAAoAAAAZAAAAGQAAAAAAAAAzMzMAAAAAABQAAAAUAAAAGQAAABkAAAAAAAAABcAAAAUAAAAAAAAAAAAAAD/fwAA/38AAAAAAAAJAAAABAAAAAAAAAAeAAAAaAAAAAAAAAAAAAAAAAAAAAAAAAAAAAAAECcAABAnAAAAAAAAAAAAAAAAAAAAAAAAAAAAAAAAAAAAAAAAAAAAABQAAAAAAAAAwMD/AAAAAABkAAAAMgAAAAAAAABkAAAAAAAAAH9/fwAKAAAAIgAAABgAAAAAAAAAAAAAAAAAAAAAAAAAAAAAAAAAAAAkAAAAJAAAAAAAAAAHAAAAAAAAAAAAAAAAAAAAAAAAAAAAAAAAAAAAf39/ACUAAABYAAAAAAAAAAAAAAAAAAAAAAAAAAAAAAAAAAAAAAAAAAAAAAAAAAAAAAAAAAAAAAA/AAAAAAAAAKCGAQAAAAAAAAAAAAAAAAAMAAAAAQAAAAAAAAAAAAAAAAAAAB8AAABUAAAAAAAABQAAAAEAAAAAAAAAAAAAAAAAAAAAAAAAAAAAAAAAAAAAAAAAAAAAAAJ/f38AAAAAA8zMzADAwP8Af39/AAAAAAAAAAAAAAAAAAAAAAAAAAAAIQAAABgAAAAUAAAA2BgAABonAAAoMgAAWSkAABAAAAAmAAAACAAAAAAAAAAAAAAAMAAAABQAAAAAAAAAAAD//wAAAQAAAP//AAABAA=="/>
               </a:ext>
             </a:extLst>
           </p:cNvSpPr>
@@ -3933,6 +3784,7 @@
             <a:pPr>
               <a:defRPr lang="ru-ru"/>
             </a:pPr>
+            <a:endParaRPr/>
           </a:p>
         </p:txBody>
       </p:sp>
@@ -3943,7 +3795,7 @@
             <a:spLocks noGrp="1" noChangeArrowheads="1"/>
             <a:extLst>
               <a:ext uri="smNativeData">
-                <pr:smNativeData xmlns:pr="smNativeData" xmlns="smNativeData" val="SMDATA_16_xzE7ZxMAAAAlAAAAZAAAAA0AAAAAkAAAAEgAAACQAAAASAAAAAAAAAABAAAAAAAAAAEAAABQAAAAAAAAAAAA4D8AAAAAAADgPwAAAAAAAOA/AAAAAAAA4D8AAAAAAADgPwAAAAAAAOA/AAAAAAAA4D8AAAAAAADgPwAAAAAAAOA/AAAAAAAA4D8CAAAAjAAAAAAAAAAAAAAARHLEDP///wgAAAAAAAAAAAAAAAAAAAAAAAAAAAAAAAAAAAAAZAAAAAEAAABAAAAAAAAAAAAAAAAAAAAAAAAAAAAAAAAAAAAAAAAAAAAAAAAAAAAAAAAAAAAAAAAAAAAAAAAAAAAAAAAAAAAAAAAAAAAAAAAAAAAAAAAAAAAAAAAAAAAAFAAAADwAAAAAAAAAAAAAAAAAAAkUAAAAAQAAABQAAAAUAAAAFAAAAAEAAAAAAAAAZAAAAGQAAAAAAAAAZAAAAGQAAAAVAAAAYAAAAAAAAAAAAAAADwAAACADAAAAAAAAAAAAAAEAAACgMgAAVgcAAKr4//8BAAAAf39/AAEAAABkAAAAAAAAABQAAABAHwAAAAAAACYAAAAAAAAAwOD//wAAAAAmAAAAZAAAABYAAABMAAAAAAAAAAAAAAAEAAAAAAAAAAEAAADn5uYKAAAAACgAAAAoAAAAZAAAAGQAAAAAAAAAzMzMAAAAAABQAAAAUAAAAGQAAABkAAAAAAAAABcAAAAUAAAAAAAAAAAAAAD/fwAA/38AAAAAAAAJAAAABAAAAAAAAAAeAAAAaAAAAAAAAAAAAAAAAAAAAAAAAAAAAAAAECcAABAnAAAAAAAAAAAAAAAAAAAAAAAAAAAAAAAAAAAAAAAAAAAAABQAAAAAAAAAwMD/AAAAAABkAAAAMgAAAAAAAABkAAAAAAAAAH9/fwAKAAAAIgAAABgAAAAAAAAAAAAAAAAAAAAAAAAAAAAAAAAAAAAkAAAAJAAAAAAAAAAHAAAAAAAAAAAAAAAAAAAAAAAAAAAAAAAAAAAAf39/ACUAAABYAAAAAAAAAAAAAAAAAAAAAAAAAAAAAAAAAAAAAAAAAAAAAAAAAAAAAAAAAAAAAAA/AAAAAAAAAKCGAQAAAAAAAAAAAAAAAAAMAAAAAQAAAAAAAAAAAAAAAAAAAB8AAABUAAAAAAAABQAAAAEAAAAAAAAAAAAAAAAAAAAAAAAAAAAAAAAAAAAAAAAAAAAAAAJ/f38AAAAAA8zMzADAwP8Af39/AAAAAAAAAAAAAAAAAAAAAAAAAAAAIQAAABgAAAAUAAAA+DQAABonAADYRQAAWSkAABAAAAAmAAAACAAAAAAAAAAAAAAAMAAAABQAAAAAAAAAAAD//wAAAQAAAP//AAABAA=="/>
+                <pr:smNativeData xmlns:mc="http://schemas.openxmlformats.org/markup-compatibility/2006" xmlns:p14="http://schemas.microsoft.com/office/powerpoint/2010/main" xmlns:p15="http://schemas.microsoft.com/office/powerpoint/2012/main" xmlns:pr="smNativeData" xmlns="smNativeData" val="SMDATA_16_xzE7ZxMAAAAlAAAAZAAAAA0AAAAAkAAAAEgAAACQAAAASAAAAAAAAAABAAAAAAAAAAEAAABQAAAAAAAAAAAA4D8AAAAAAADgPwAAAAAAAOA/AAAAAAAA4D8AAAAAAADgPwAAAAAAAOA/AAAAAAAA4D8AAAAAAADgPwAAAAAAAOA/AAAAAAAA4D8CAAAAjAAAAAAAAAAAAAAARHLEDP///wgAAAAAAAAAAAAAAAAAAAAAAAAAAAAAAAAAAAAAZAAAAAEAAABAAAAAAAAAAAAAAAAAAAAAAAAAAAAAAAAAAAAAAAAAAAAAAAAAAAAAAAAAAAAAAAAAAAAAAAAAAAAAAAAAAAAAAAAAAAAAAAAAAAAAAAAAAAAAAAAAAAAAFAAAADwAAAAAAAAAAAAAAAAAAAkUAAAAAQAAABQAAAAUAAAAFAAAAAEAAAAAAAAAZAAAAGQAAAAAAAAAZAAAAGQAAAAVAAAAYAAAAAAAAAAAAAAADwAAACADAAAAAAAAAAAAAAEAAACgMgAAVgcAAKr4//8BAAAAf39/AAEAAABkAAAAAAAAABQAAABAHwAAAAAAACYAAAAAAAAAwOD//wAAAAAmAAAAZAAAABYAAABMAAAAAAAAAAAAAAAEAAAAAAAAAAEAAADn5uYKAAAAACgAAAAoAAAAZAAAAGQAAAAAAAAAzMzMAAAAAABQAAAAUAAAAGQAAABkAAAAAAAAABcAAAAUAAAAAAAAAAAAAAD/fwAA/38AAAAAAAAJAAAABAAAAAAAAAAeAAAAaAAAAAAAAAAAAAAAAAAAAAAAAAAAAAAAECcAABAnAAAAAAAAAAAAAAAAAAAAAAAAAAAAAAAAAAAAAAAAAAAAABQAAAAAAAAAwMD/AAAAAABkAAAAMgAAAAAAAABkAAAAAAAAAH9/fwAKAAAAIgAAABgAAAAAAAAAAAAAAAAAAAAAAAAAAAAAAAAAAAAkAAAAJAAAAAAAAAAHAAAAAAAAAAAAAAAAAAAAAAAAAAAAAAAAAAAAf39/ACUAAABYAAAAAAAAAAAAAAAAAAAAAAAAAAAAAAAAAAAAAAAAAAAAAAAAAAAAAAAAAAAAAAA/AAAAAAAAAKCGAQAAAAAAAAAAAAAAAAAMAAAAAQAAAAAAAAAAAAAAAAAAAB8AAABUAAAAAAAABQAAAAEAAAAAAAAAAAAAAAAAAAAAAAAAAAAAAAAAAAAAAAAAAAAAAAJ/f38AAAAAA8zMzADAwP8Af39/AAAAAAAAAAAAAAAAAAAAAAAAAAAAIQAAABgAAAAUAAAA+DQAABonAADYRQAAWSkAABAAAAAmAAAACAAAAAAAAAAAAAAAMAAAABQAAAAAAAAAAAD//wAAAQAAAP//AAABAA=="/>
               </a:ext>
             </a:extLst>
           </p:cNvSpPr>
@@ -3962,6 +3814,7 @@
             <a:fld id="{3BC5BFC9-87D6-9049-987D-711CF1336E24}" type="slidenum">
               <a:t>‹#›</a:t>
             </a:fld>
+            <a:endParaRPr/>
           </a:p>
         </p:txBody>
       </p:sp>
@@ -3975,7 +3828,7 @@
 </file>
 
 <file path=ppt/slideLayouts/slideLayout9.xml><?xml version="1.0" encoding="utf-8"?>
-<p:sldLayout xmlns:p="http://schemas.openxmlformats.org/presentationml/2006/main" xmlns:mc="http://schemas.openxmlformats.org/markup-compatibility/2006" xmlns:p14="http://schemas.microsoft.com/office/powerpoint/2010/main" xmlns:p15="http://schemas.microsoft.com/office/powerpoint/2012/main" xmlns:r="http://schemas.openxmlformats.org/officeDocument/2006/relationships" xmlns:a="http://schemas.openxmlformats.org/drawingml/2006/main" type="picTx" preserve="1">
+<p:sldLayout xmlns:a="http://schemas.openxmlformats.org/drawingml/2006/main" xmlns:r="http://schemas.openxmlformats.org/officeDocument/2006/relationships" xmlns:p="http://schemas.openxmlformats.org/presentationml/2006/main" type="picTx" preserve="1">
   <p:cSld name="Рисунок с подписью">
     <p:spTree>
       <p:nvGrpSpPr>
@@ -3998,7 +3851,7 @@
             <a:spLocks noGrp="1" noChangeArrowheads="1"/>
             <a:extLst>
               <a:ext uri="smNativeData">
-                <pr:smNativeData xmlns:pr="smNativeData" xmlns="smNativeData" val="SMDATA_16_xzE7ZxMAAAAlAAAAZAAAAA0AAAAAkAAAAEgAAACQAAAASAAAAAAAAAACAAAAAAAAAAEAAABQAAAAAAAAAAAA4D8AAAAAAADgPwAAAAAAAOA/AAAAAAAA4D8AAAAAAADgPwAAAAAAAOA/AAAAAAAA4D8AAAAAAADgPwAAAAAAAOA/AAAAAAAA4D8CAAAAjAAAAAAAAAAAAAAARHLEDP///wgAAAAAAAAAAAAAAAAAAAAAAAAAAAAAAAAAAAAAZAAAAAEAAABAAAAAAAAAAAAAAAAAAAAAAAAAAAAAAAAAAAAAAAAAAAAAAAAAAAAAAAAAAAAAAAAAAAAAAAAAAAAAAAAAAAAAAAAAAAAAAAAAAAAAAAAAAAAAAAAAAAAAFAAAADwAAAAAAAAAAAAAAAAAAAkUAAAAAQAAABQAAAAUAAAAFAAAAAEAAAAAAAAAZAAAAGQAAAAAAAAAZAAAAGQAAAAVAAAAYAAAAAAAAAAAAAAADwAAACADAAAAAAAAAAAAAAEAAACgMgAAVgcAAKr4//8BAAAAf39/AAEAAABkAAAAAAAAABQAAABAHwAAAAAAACYAAAAAAAAAwOD//wAAAAAmAAAAZAAAABYAAABMAAAAAAAAAAAAAAAEAAAAAAAAAAEAAADn5uYKAAAAACgAAAAoAAAAZAAAAGQAAAAAAAAAzMzMAAAAAABQAAAAUAAAAGQAAABkAAAAAAAAABcAAAAUAAAAAAAAAAAAAAD/fwAA/38AAAAAAAAJAAAABAAAAAAAAAAeAAAAaAAAAAAAAAAAAAAAAAAAAAAAAAAAAAAAECcAABAnAAAAAAAAAAAAAAAAAAAAAAAAAAAAAAAAAAAAAAAAAAAAABQAAAAAAAAAwMD/AAAAAABkAAAAMgAAAAAAAABkAAAAAAAAAH9/fwAKAAAAIgAAABgAAAAAAAAAAAAAAAAAAAAAAAAAAAAAAAAAAAAkAAAAJAAAAAAAAAAHAAAAAAAAAAAAAAAAAAAAAAAAAAAAAAAAAAAAf39/ACUAAABYAAAAAAAAAAAAAAAAAAAAAAAAAAAAAAAAAAAAAAAAAAAAAAAAAAAAAAAAAAAAAAA/AAAAAAAAAKCGAQAAAAAAAAAAAAAAAAAMAAAAAQAAAAAAAAAAAAAAAAAAAB8AAABUAAAAAAAABQAAAAEAAAAAAAAAAAAAAAAAAAAAAAAAAAAAAAAAAAAAAAAAAAAAAAJ/f38AAAAAA8zMzADAwP8Af39/AAAAAAAAAAAAAAAAAAAAAAAAAAAAIQAAABgAAAAUAAAAKwUAANACAABbHQAAqAwAABAAAAAmAAAACAAAAIGAAAAAAAAAMAAAABQAAAAAAAAAAAD//wAAAQAAAP//AAABAA=="/>
+                <pr:smNativeData xmlns:mc="http://schemas.openxmlformats.org/markup-compatibility/2006" xmlns:p14="http://schemas.microsoft.com/office/powerpoint/2010/main" xmlns:p15="http://schemas.microsoft.com/office/powerpoint/2012/main" xmlns:pr="smNativeData" xmlns="smNativeData" val="SMDATA_16_xzE7ZxMAAAAlAAAAZAAAAA0AAAAAkAAAAEgAAACQAAAASAAAAAAAAAACAAAAAAAAAAEAAABQAAAAAAAAAAAA4D8AAAAAAADgPwAAAAAAAOA/AAAAAAAA4D8AAAAAAADgPwAAAAAAAOA/AAAAAAAA4D8AAAAAAADgPwAAAAAAAOA/AAAAAAAA4D8CAAAAjAAAAAAAAAAAAAAARHLEDP///wgAAAAAAAAAAAAAAAAAAAAAAAAAAAAAAAAAAAAAZAAAAAEAAABAAAAAAAAAAAAAAAAAAAAAAAAAAAAAAAAAAAAAAAAAAAAAAAAAAAAAAAAAAAAAAAAAAAAAAAAAAAAAAAAAAAAAAAAAAAAAAAAAAAAAAAAAAAAAAAAAAAAAFAAAADwAAAAAAAAAAAAAAAAAAAkUAAAAAQAAABQAAAAUAAAAFAAAAAEAAAAAAAAAZAAAAGQAAAAAAAAAZAAAAGQAAAAVAAAAYAAAAAAAAAAAAAAADwAAACADAAAAAAAAAAAAAAEAAACgMgAAVgcAAKr4//8BAAAAf39/AAEAAABkAAAAAAAAABQAAABAHwAAAAAAACYAAAAAAAAAwOD//wAAAAAmAAAAZAAAABYAAABMAAAAAAAAAAAAAAAEAAAAAAAAAAEAAADn5uYKAAAAACgAAAAoAAAAZAAAAGQAAAAAAAAAzMzMAAAAAABQAAAAUAAAAGQAAABkAAAAAAAAABcAAAAUAAAAAAAAAAAAAAD/fwAA/38AAAAAAAAJAAAABAAAAAAAAAAeAAAAaAAAAAAAAAAAAAAAAAAAAAAAAAAAAAAAECcAABAnAAAAAAAAAAAAAAAAAAAAAAAAAAAAAAAAAAAAAAAAAAAAABQAAAAAAAAAwMD/AAAAAABkAAAAMgAAAAAAAABkAAAAAAAAAH9/fwAKAAAAIgAAABgAAAAAAAAAAAAAAAAAAAAAAAAAAAAAAAAAAAAkAAAAJAAAAAAAAAAHAAAAAAAAAAAAAAAAAAAAAAAAAAAAAAAAAAAAf39/ACUAAABYAAAAAAAAAAAAAAAAAAAAAAAAAAAAAAAAAAAAAAAAAAAAAAAAAAAAAAAAAAAAAAA/AAAAAAAAAKCGAQAAAAAAAAAAAAAAAAAMAAAAAQAAAAAAAAAAAAAAAAAAAB8AAABUAAAAAAAABQAAAAEAAAAAAAAAAAAAAAAAAAAAAAAAAAAAAAAAAAAAAAAAAAAAAAJ/f38AAAAAA8zMzADAwP8Af39/AAAAAAAAAAAAAAAAAAAAAAAAAAAAIQAAABgAAAAUAAAAKwUAANACAABbHQAAqAwAABAAAAAmAAAACAAAAIGAAAAAAAAAMAAAABQAAAAAAAAAAAD//wAAAQAAAP//AAABAA=="/>
               </a:ext>
             </a:extLst>
           </p:cNvSpPr>
@@ -4064,7 +3917,7 @@
             <a:spLocks noGrp="1" noChangeArrowheads="1"/>
             <a:extLst>
               <a:ext uri="smNativeData">
-                <pr:smNativeData xmlns:pr="smNativeData" xmlns="smNativeData" val="SMDATA_16_xzE7ZxMAAAAlAAAAZAAAAA0AAAAAkAAAAEgAAACQAAAASAAAAAAAAAAAAAAAAAAAAAEAAABQAAAAAAAAAAAA4D8AAAAAAADgPwAAAAAAAOA/AAAAAAAA4D8AAAAAAADgPwAAAAAAAOA/AAAAAAAA4D8AAAAAAADgPwAAAAAAAOA/AAAAAAAA4D8CAAAAjAAAAAAAAAAAAAAARHLEDP///wgAAAAAAAAAAAAAAAAAAAAAAAAAAAAAAAAAAAAAZAAAAAEAAABAAAAAAAAAAAAAAAAAAAAAAAAAAAAAAAAAAAAAAAAAAAAAAAAAAAAAAAAAAAAAAAAAAAAAAAAAAAAAAAAAAAAAAAAAAAAAAAAAAAAAAAAAAAAAAAAAAAAAFAAAADwAAAAAAAAAAAAAAAAAAAkUAAAAAQAAABQAAAAUAAAAFAAAAAEAAAAAAAAAZAAAAGQAAAAAAAAAZAAAAGQAAAAVAAAAYAAAAAAAAAAAAAAADwAAACADAAAAAAAAAAAAAAEAAACgMgAAVgcAAKr4//8BAAAAf39/AAEAAABkAAAAAAAAABQAAABAHwAAAAAAACYAAAAAAAAAwOD//wAAAAAmAAAAZAAAABYAAABMAAAAAAAAAAAAAAAEAAAAAAAAAAEAAADn5uYKAAAAACgAAAAoAAAAZAAAAGQAAAAAAAAAzMzMAAAAAABQAAAAUAAAAGQAAABkAAAAAAAAABcAAAAUAAAAAAAAAAAAAAD/fwAA/38AAAAAAAAJAAAABAAAAAAAAAAeAAAAaAAAAAAAAAAAAAAAAAAAAAAAAAAAAAAAECcAABAnAAAAAAAAAAAAAAAAAAAAAAAAAAAAAAAAAAAAAAAAAAAAABQAAAAAAAAAwMD/AAAAAABkAAAAMgAAAAAAAABkAAAAAAAAAH9/fwAKAAAAIgAAABgAAAAAAAAAAAAAAAAAAAAAAAAAAAAAAAAAAAAkAAAAJAAAAAAAAAAHAAAAAAAAAAAAAAAAAAAAAAAAAAAAAAAAAAAAf39/ACUAAABYAAAAAAAAAAAAAAAAAAAAAAAAAAAAAAAAAAAAAAAAAAAAAAAAAAAAAAAAAAAAAAA/AAAAAAAAAKCGAQAAAAAAAAAAAAAAAAAMAAAAAQAAAAAAAAAAAAAAAAAAAB8AAABUAAAAAAAABQAAAAEAAAAAAAAAAAAAAAAAAAAAAAAAAAAAAAAAAAAAAAAAAAAAAAJ/f38AAAAAA8zMzADAwP8Af39/AAAAAAAAAAAAAAAAAAAAAAAAAAAAIQAAABgAAAAUAAAA4x8AABMGAADbRQAADiQAABAAAAAmAAAACAAAAAGAAAAAAAAAMAAAABQAAAAAAAAAAAD//wAAAQAAAP//AAABAA=="/>
+                <pr:smNativeData xmlns:mc="http://schemas.openxmlformats.org/markup-compatibility/2006" xmlns:p14="http://schemas.microsoft.com/office/powerpoint/2010/main" xmlns:p15="http://schemas.microsoft.com/office/powerpoint/2012/main" xmlns:pr="smNativeData" xmlns="smNativeData" val="SMDATA_16_xzE7ZxMAAAAlAAAAZAAAAA0AAAAAkAAAAEgAAACQAAAASAAAAAAAAAAAAAAAAAAAAAEAAABQAAAAAAAAAAAA4D8AAAAAAADgPwAAAAAAAOA/AAAAAAAA4D8AAAAAAADgPwAAAAAAAOA/AAAAAAAA4D8AAAAAAADgPwAAAAAAAOA/AAAAAAAA4D8CAAAAjAAAAAAAAAAAAAAARHLEDP///wgAAAAAAAAAAAAAAAAAAAAAAAAAAAAAAAAAAAAAZAAAAAEAAABAAAAAAAAAAAAAAAAAAAAAAAAAAAAAAAAAAAAAAAAAAAAAAAAAAAAAAAAAAAAAAAAAAAAAAAAAAAAAAAAAAAAAAAAAAAAAAAAAAAAAAAAAAAAAAAAAAAAAFAAAADwAAAAAAAAAAAAAAAAAAAkUAAAAAQAAABQAAAAUAAAAFAAAAAEAAAAAAAAAZAAAAGQAAAAAAAAAZAAAAGQAAAAVAAAAYAAAAAAAAAAAAAAADwAAACADAAAAAAAAAAAAAAEAAACgMgAAVgcAAKr4//8BAAAAf39/AAEAAABkAAAAAAAAABQAAABAHwAAAAAAACYAAAAAAAAAwOD//wAAAAAmAAAAZAAAABYAAABMAAAAAAAAAAAAAAAEAAAAAAAAAAEAAADn5uYKAAAAACgAAAAoAAAAZAAAAGQAAAAAAAAAzMzMAAAAAABQAAAAUAAAAGQAAABkAAAAAAAAABcAAAAUAAAAAAAAAAAAAAD/fwAA/38AAAAAAAAJAAAABAAAAAAAAAAeAAAAaAAAAAAAAAAAAAAAAAAAAAAAAAAAAAAAECcAABAnAAAAAAAAAAAAAAAAAAAAAAAAAAAAAAAAAAAAAAAAAAAAABQAAAAAAAAAwMD/AAAAAABkAAAAMgAAAAAAAABkAAAAAAAAAH9/fwAKAAAAIgAAABgAAAAAAAAAAAAAAAAAAAAAAAAAAAAAAAAAAAAkAAAAJAAAAAAAAAAHAAAAAAAAAAAAAAAAAAAAAAAAAAAAAAAAAAAAf39/ACUAAABYAAAAAAAAAAAAAAAAAAAAAAAAAAAAAAAAAAAAAAAAAAAAAAAAAAAAAAAAAAAAAAA/AAAAAAAAAKCGAQAAAAAAAAAAAAAAAAAMAAAAAQAAAAAAAAAAAAAAAAAAAB8AAABUAAAAAAAABQAAAAEAAAAAAAAAAAAAAAAAAAAAAAAAAAAAAAAAAAAAAAAAAAAAAAJ/f38AAAAAA8zMzADAwP8Af39/AAAAAAAAAAAAAAAAAAAAAAAAAAAAIQAAABgAAAAUAAAA4x8AABMGAADbRQAADiQAABAAAAAmAAAACAAAAAGAAAAAAAAAMAAAABQAAAAAAAAAAAD//wAAAQAAAP//AAABAA=="/>
               </a:ext>
             </a:extLst>
           </p:cNvSpPr>
@@ -4122,6 +3975,7 @@
             <a:pPr>
               <a:defRPr lang="ru-ru"/>
             </a:pPr>
+            <a:endParaRPr/>
           </a:p>
         </p:txBody>
       </p:sp>
@@ -4132,7 +3986,7 @@
             <a:spLocks noGrp="1" noChangeArrowheads="1"/>
             <a:extLst>
               <a:ext uri="smNativeData">
-                <pr:smNativeData xmlns:pr="smNativeData" xmlns="smNativeData" val="SMDATA_16_xzE7ZxMAAAAlAAAAZAAAAA0AAAAAkAAAAEgAAACQAAAASAAAAAAAAAAAAAAAAAAAAAEAAABQAAAAAAAAAAAA4D8AAAAAAADgPwAAAAAAAOA/AAAAAAAA4D8AAAAAAADgPwAAAAAAAOA/AAAAAAAA4D8AAAAAAADgPwAAAAAAAOA/AAAAAAAA4D8CAAAAjAAAAAAAAAAAAAAARHLEDP///wgAAAAAAAAAAAAAAAAAAAAAAAAAAAAAAAAAAAAAZAAAAAEAAABAAAAAAAAAAAAAAAAAAAAAAAAAAAAAAAAAAAAAAAAAAAAAAAAAAAAAAAAAAAAAAAAAAAAAAAAAAAAAAAAAAAAAAAAAAAAAAAAAAAAAAAAAAAAAAAAAAAAAFAAAADwAAAAAAAAAAAAAAAAAAAkUAAAAAQAAABQAAAAUAAAAFAAAAAEAAAAAAAAAZAAAAGQAAAAAAAAAZAAAAGQAAAAVAAAAYAAAAAAAAAAAAAAADwAAACADAAAAAAAAAAAAAAEAAACgMgAAVgcAAKr4//8BAAAAf39/AAEAAABkAAAAAAAAABQAAABAHwAAAAAAACYAAAAAAAAAwOD//wAAAAAmAAAAZAAAABYAAABMAAAAAAAAAAAAAAAEAAAAAAAAAAEAAADn5uYKAAAAACgAAAAoAAAAZAAAAGQAAAAAAAAAzMzMAAAAAABQAAAAUAAAAGQAAABkAAAAAAAAABcAAAAUAAAAAAAAAAAAAAD/fwAA/38AAAAAAAAJAAAABAAAAAAAAAAeAAAAaAAAAAAAAAAAAAAAAAAAAAAAAAAAAAAAECcAABAnAAAAAAAAAAAAAAAAAAAAAAAAAAAAAAAAAAAAAAAAAAAAABQAAAAAAAAAwMD/AAAAAABkAAAAMgAAAAAAAABkAAAAAAAAAH9/fwAKAAAAIgAAABgAAAAAAAAAAAAAAAAAAAAAAAAAAAAAAAAAAAAkAAAAJAAAAAAAAAAHAAAAAAAAAAAAAAAAAAAAAAAAAAAAAAAAAAAAf39/ACUAAABYAAAAAAAAAAAAAAAAAAAAAAAAAAAAAAAAAAAAAAAAAAAAAAAAAAAAAAAAAAAAAAA/AAAAAAAAAKCGAQAAAAAAAAAAAAAAAAAMAAAAAQAAAAAAAAAAAAAAAAAAAB8AAABUAAAAAAAABQAAAAEAAAAAAAAAAAAAAAAAAAAAAAAAAAAAAAAAAAAAAAAAAAAAAAJ/f38AAAAAA8zMzADAwP8Af39/AAAAAAAAAAAAAAAAAAAAAAAAAAAAIQAAABgAAAAUAAAAKwUAAKgMAABbHQAAGyQAABAAAAAmAAAACAAAAAGAAAAAAAAAMAAAABQAAAAAAAAAAAD//wAAAQAAAP//AAABAA=="/>
+                <pr:smNativeData xmlns:mc="http://schemas.openxmlformats.org/markup-compatibility/2006" xmlns:p14="http://schemas.microsoft.com/office/powerpoint/2010/main" xmlns:p15="http://schemas.microsoft.com/office/powerpoint/2012/main" xmlns:pr="smNativeData" xmlns="smNativeData" val="SMDATA_16_xzE7ZxMAAAAlAAAAZAAAAA0AAAAAkAAAAEgAAACQAAAASAAAAAAAAAAAAAAAAAAAAAEAAABQAAAAAAAAAAAA4D8AAAAAAADgPwAAAAAAAOA/AAAAAAAA4D8AAAAAAADgPwAAAAAAAOA/AAAAAAAA4D8AAAAAAADgPwAAAAAAAOA/AAAAAAAA4D8CAAAAjAAAAAAAAAAAAAAARHLEDP///wgAAAAAAAAAAAAAAAAAAAAAAAAAAAAAAAAAAAAAZAAAAAEAAABAAAAAAAAAAAAAAAAAAAAAAAAAAAAAAAAAAAAAAAAAAAAAAAAAAAAAAAAAAAAAAAAAAAAAAAAAAAAAAAAAAAAAAAAAAAAAAAAAAAAAAAAAAAAAAAAAAAAAFAAAADwAAAAAAAAAAAAAAAAAAAkUAAAAAQAAABQAAAAUAAAAFAAAAAEAAAAAAAAAZAAAAGQAAAAAAAAAZAAAAGQAAAAVAAAAYAAAAAAAAAAAAAAADwAAACADAAAAAAAAAAAAAAEAAACgMgAAVgcAAKr4//8BAAAAf39/AAEAAABkAAAAAAAAABQAAABAHwAAAAAAACYAAAAAAAAAwOD//wAAAAAmAAAAZAAAABYAAABMAAAAAAAAAAAAAAAEAAAAAAAAAAEAAADn5uYKAAAAACgAAAAoAAAAZAAAAGQAAAAAAAAAzMzMAAAAAABQAAAAUAAAAGQAAABkAAAAAAAAABcAAAAUAAAAAAAAAAAAAAD/fwAA/38AAAAAAAAJAAAABAAAAAAAAAAeAAAAaAAAAAAAAAAAAAAAAAAAAAAAAAAAAAAAECcAABAnAAAAAAAAAAAAAAAAAAAAAAAAAAAAAAAAAAAAAAAAAAAAABQAAAAAAAAAwMD/AAAAAABkAAAAMgAAAAAAAABkAAAAAAAAAH9/fwAKAAAAIgAAABgAAAAAAAAAAAAAAAAAAAAAAAAAAAAAAAAAAAAkAAAAJAAAAAAAAAAHAAAAAAAAAAAAAAAAAAAAAAAAAAAAAAAAAAAAf39/ACUAAABYAAAAAAAAAAAAAAAAAAAAAAAAAAAAAAAAAAAAAAAAAAAAAAAAAAAAAAAAAAAAAAA/AAAAAAAAAKCGAQAAAAAAAAAAAAAAAAAMAAAAAQAAAAAAAAAAAAAAAAAAAB8AAABUAAAAAAAABQAAAAEAAAAAAAAAAAAAAAAAAAAAAAAAAAAAAAAAAAAAAAAAAAAAAAJ/f38AAAAAA8zMzADAwP8Af39/AAAAAAAAAAAAAAAAAAAAAAAAAAAAIQAAABgAAAAUAAAAKwUAAKgMAABbHQAAGyQAABAAAAAmAAAACAAAAAGAAAAAAAAAMAAAABQAAAAAAAAAAAD//wAAAQAAAP//AAABAA=="/>
               </a:ext>
             </a:extLst>
           </p:cNvSpPr>
@@ -4203,7 +4057,7 @@
             <a:spLocks noGrp="1" noChangeArrowheads="1"/>
             <a:extLst>
               <a:ext uri="smNativeData">
-                <pr:smNativeData xmlns:pr="smNativeData" xmlns="smNativeData" val="SMDATA_16_xzE7ZxMAAAAlAAAAZAAAAA0AAAAAkAAAAEgAAACQAAAASAAAAAAAAAABAAAAAAAAAAEAAABQAAAAAAAAAAAA4D8AAAAAAADgPwAAAAAAAOA/AAAAAAAA4D8AAAAAAADgPwAAAAAAAOA/AAAAAAAA4D8AAAAAAADgPwAAAAAAAOA/AAAAAAAA4D8CAAAAjAAAAAAAAAAAAAAARHLEDP///wgAAAAAAAAAAAAAAAAAAAAAAAAAAAAAAAAAAAAAZAAAAAEAAABAAAAAAAAAAAAAAAAAAAAAAAAAAAAAAAAAAAAAAAAAAAAAAAAAAAAAAAAAAAAAAAAAAAAAAAAAAAAAAAAAAAAAAAAAAAAAAAAAAAAAAAAAAAAAAAAAAAAAFAAAADwAAAAAAAAAAAAAAAAAAAkUAAAAAQAAABQAAAAUAAAAFAAAAAEAAAAAAAAAZAAAAGQAAAAAAAAAZAAAAGQAAAAVAAAAYAAAAAAAAAAAAAAADwAAACADAAAAAAAAAAAAAAEAAACgMgAAVgcAAKr4//8BAAAAf39/AAEAAABkAAAAAAAAABQAAABAHwAAAAAAACYAAAAAAAAAwOD//wAAAAAmAAAAZAAAABYAAABMAAAAAAAAAAAAAAAEAAAAAAAAAAEAAADn5uYKAAAAACgAAAAoAAAAZAAAAGQAAAAAAAAAzMzMAAAAAABQAAAAUAAAAGQAAABkAAAAAAAAABcAAAAUAAAAAAAAAAAAAAD/fwAA/38AAAAAAAAJAAAABAAAAAAAAAAeAAAAaAAAAAAAAAAAAAAAAAAAAAAAAAAAAAAAECcAABAnAAAAAAAAAAAAAAAAAAAAAAAAAAAAAAAAAAAAAAAAAAAAABQAAAAAAAAAwMD/AAAAAABkAAAAMgAAAAAAAABkAAAAAAAAAH9/fwAKAAAAIgAAABgAAAAAAAAAAAAAAAAAAAAAAAAAAAAAAAAAAAAkAAAAJAAAAAAAAAAHAAAAAAAAAAAAAAAAAAAAAAAAAAAAAAAAAAAAf39/ACUAAABYAAAAAAAAAAAAAAAAAAAAAAAAAAAAAAAAAAAAAAAAAAAAAAAAAAAAAAAAAAAAAAA/AAAAAAAAAKCGAQAAAAAAAAAAAAAAAAAMAAAAAQAAAAAAAAAAAAAAAAAAAB8AAABUAAAAAAAABQAAAAEAAAAAAAAAAAAAAAAAAAAAAAAAAAAAAAAAAAAAAAAAAAAAAAJ/f38AAAAAA8zMzADAwP8Af39/AAAAAAAAAAAAAAAAAAAAAAAAAAAAIQAAABgAAAAUAAAAKAUAABonAAAIFgAAWSkAABAAAAAmAAAACAAAAAAAAAAAAAAAMAAAABQAAAAAAAAAAAD//wAAAQAAAP//AAABAA=="/>
+                <pr:smNativeData xmlns:mc="http://schemas.openxmlformats.org/markup-compatibility/2006" xmlns:p14="http://schemas.microsoft.com/office/powerpoint/2010/main" xmlns:p15="http://schemas.microsoft.com/office/powerpoint/2012/main" xmlns:pr="smNativeData" xmlns="smNativeData" val="SMDATA_16_xzE7ZxMAAAAlAAAAZAAAAA0AAAAAkAAAAEgAAACQAAAASAAAAAAAAAABAAAAAAAAAAEAAABQAAAAAAAAAAAA4D8AAAAAAADgPwAAAAAAAOA/AAAAAAAA4D8AAAAAAADgPwAAAAAAAOA/AAAAAAAA4D8AAAAAAADgPwAAAAAAAOA/AAAAAAAA4D8CAAAAjAAAAAAAAAAAAAAARHLEDP///wgAAAAAAAAAAAAAAAAAAAAAAAAAAAAAAAAAAAAAZAAAAAEAAABAAAAAAAAAAAAAAAAAAAAAAAAAAAAAAAAAAAAAAAAAAAAAAAAAAAAAAAAAAAAAAAAAAAAAAAAAAAAAAAAAAAAAAAAAAAAAAAAAAAAAAAAAAAAAAAAAAAAAFAAAADwAAAAAAAAAAAAAAAAAAAkUAAAAAQAAABQAAAAUAAAAFAAAAAEAAAAAAAAAZAAAAGQAAAAAAAAAZAAAAGQAAAAVAAAAYAAAAAAAAAAAAAAADwAAACADAAAAAAAAAAAAAAEAAACgMgAAVgcAAKr4//8BAAAAf39/AAEAAABkAAAAAAAAABQAAABAHwAAAAAAACYAAAAAAAAAwOD//wAAAAAmAAAAZAAAABYAAABMAAAAAAAAAAAAAAAEAAAAAAAAAAEAAADn5uYKAAAAACgAAAAoAAAAZAAAAGQAAAAAAAAAzMzMAAAAAABQAAAAUAAAAGQAAABkAAAAAAAAABcAAAAUAAAAAAAAAAAAAAD/fwAA/38AAAAAAAAJAAAABAAAAAAAAAAeAAAAaAAAAAAAAAAAAAAAAAAAAAAAAAAAAAAAECcAABAnAAAAAAAAAAAAAAAAAAAAAAAAAAAAAAAAAAAAAAAAAAAAABQAAAAAAAAAwMD/AAAAAABkAAAAMgAAAAAAAABkAAAAAAAAAH9/fwAKAAAAIgAAABgAAAAAAAAAAAAAAAAAAAAAAAAAAAAAAAAAAAAkAAAAJAAAAAAAAAAHAAAAAAAAAAAAAAAAAAAAAAAAAAAAAAAAAAAAf39/ACUAAABYAAAAAAAAAAAAAAAAAAAAAAAAAAAAAAAAAAAAAAAAAAAAAAAAAAAAAAAAAAAAAAA/AAAAAAAAAKCGAQAAAAAAAAAAAAAAAAAMAAAAAQAAAAAAAAAAAAAAAAAAAB8AAABUAAAAAAAABQAAAAEAAAAAAAAAAAAAAAAAAAAAAAAAAAAAAAAAAAAAAAAAAAAAAAJ/f38AAAAAA8zMzADAwP8Af39/AAAAAAAAAAAAAAAAAAAAAAAAAAAAIQAAABgAAAAUAAAAKAUAABonAAAIFgAAWSkAABAAAAAmAAAACAAAAAAAAAAAAAAAMAAAABQAAAAAAAAAAAD//wAAAQAAAP//AAABAA=="/>
               </a:ext>
             </a:extLst>
           </p:cNvSpPr>
@@ -4220,8 +4074,9 @@
               <a:defRPr lang="ru-ru"/>
             </a:pPr>
             <a:fld id="{3BC5D013-5DD6-9026-987D-AB739E336EFE}" type="datetime1">
-              <a:t>18.11.2024</a:t>
+              <a:t>20.11.2024</a:t>
             </a:fld>
+            <a:endParaRPr/>
           </a:p>
         </p:txBody>
       </p:sp>
@@ -4232,7 +4087,7 @@
             <a:spLocks noGrp="1" noChangeArrowheads="1"/>
             <a:extLst>
               <a:ext uri="smNativeData">
-                <pr:smNativeData xmlns:pr="smNativeData" xmlns="smNativeData" val="SMDATA_16_xzE7ZxMAAAAlAAAAZAAAAA0AAAAAkAAAAEgAAACQAAAASAAAAAAAAAABAAAAAAAAAAEAAABQAAAAAAAAAAAA4D8AAAAAAADgPwAAAAAAAOA/AAAAAAAA4D8AAAAAAADgPwAAAAAAAOA/AAAAAAAA4D8AAAAAAADgPwAAAAAAAOA/AAAAAAAA4D8CAAAAjAAAAAAAAAAAAAAARHLEDP///wgAAAAAAAAAAAAAAAAAAAAAAAAAAAAAAAAAAAAAZAAAAAEAAABAAAAAAAAAAAAAAAAAAAAAAAAAAAAAAAAAAAAAAAAAAAAAAAAAAAAAAAAAAAAAAAAAAAAAAAAAAAAAAAAAAAAAAAAAAAAAAAAAAAAAAAAAAAAAAAAAAAAAFAAAADwAAAAAAAAAAAAAAAAAAAkUAAAAAQAAABQAAAAUAAAAFAAAAAEAAAAAAAAAZAAAAGQAAAAAAAAAZAAAAGQAAAAVAAAAYAAAAAAAAAAAAAAADwAAACADAAAAAAAAAAAAAAEAAACgMgAAVgcAAKr4//8BAAAAf39/AAEAAABkAAAAAAAAABQAAABAHwAAAAAAACYAAAAAAAAAwOD//wAAAAAmAAAAZAAAABYAAABMAAAAAAAAAAAAAAAEAAAAAAAAAAEAAADn5uYKAAAAACgAAAAoAAAAZAAAAGQAAAAAAAAAzMzMAAAAAABQAAAAUAAAAGQAAABkAAAAAAAAABcAAAAUAAAAAAAAAAAAAAD/fwAA/38AAAAAAAAJAAAABAAAAAAAAAAeAAAAaAAAAAAAAAAAAAAAAAAAAAAAAAAAAAAAECcAABAnAAAAAAAAAAAAAAAAAAAAAAAAAAAAAAAAAAAAAAAAAAAAABQAAAAAAAAAwMD/AAAAAABkAAAAMgAAAAAAAABkAAAAAAAAAH9/fwAKAAAAIgAAABgAAAAAAAAAAAAAAAAAAAAAAAAAAAAAAAAAAAAkAAAAJAAAAAAAAAAHAAAAAAAAAAAAAAAAAAAAAAAAAAAAAAAAAAAAf39/ACUAAABYAAAAAAAAAAAAAAAAAAAAAAAAAAAAAAAAAAAAAAAAAAAAAAAAAAAAAAAAAAAAAAA/AAAAAAAAAKCGAQAAAAAAAAAAAAAAAAAMAAAAAQAAAAAAAAAAAAAAAAAAAB8AAABUAAAAAAAABQAAAAEAAAAAAAAAAAAAAAAAAAAAAAAAAAAAAAAAAAAAAAAAAAAAAAJ/f38AAAAAA8zMzADAwP8Af39/AAAAAAAAAAAAAAAAAAAAAAAAAAAAIQAAABgAAAAUAAAA2BgAABonAAAoMgAAWSkAABAAAAAmAAAACAAAAAAAAAAAAAAAMAAAABQAAAAAAAAAAAD//wAAAQAAAP//AAABAA=="/>
+                <pr:smNativeData xmlns:mc="http://schemas.openxmlformats.org/markup-compatibility/2006" xmlns:p14="http://schemas.microsoft.com/office/powerpoint/2010/main" xmlns:p15="http://schemas.microsoft.com/office/powerpoint/2012/main" xmlns:pr="smNativeData" xmlns="smNativeData" val="SMDATA_16_xzE7ZxMAAAAlAAAAZAAAAA0AAAAAkAAAAEgAAACQAAAASAAAAAAAAAABAAAAAAAAAAEAAABQAAAAAAAAAAAA4D8AAAAAAADgPwAAAAAAAOA/AAAAAAAA4D8AAAAAAADgPwAAAAAAAOA/AAAAAAAA4D8AAAAAAADgPwAAAAAAAOA/AAAAAAAA4D8CAAAAjAAAAAAAAAAAAAAARHLEDP///wgAAAAAAAAAAAAAAAAAAAAAAAAAAAAAAAAAAAAAZAAAAAEAAABAAAAAAAAAAAAAAAAAAAAAAAAAAAAAAAAAAAAAAAAAAAAAAAAAAAAAAAAAAAAAAAAAAAAAAAAAAAAAAAAAAAAAAAAAAAAAAAAAAAAAAAAAAAAAAAAAAAAAFAAAADwAAAAAAAAAAAAAAAAAAAkUAAAAAQAAABQAAAAUAAAAFAAAAAEAAAAAAAAAZAAAAGQAAAAAAAAAZAAAAGQAAAAVAAAAYAAAAAAAAAAAAAAADwAAACADAAAAAAAAAAAAAAEAAACgMgAAVgcAAKr4//8BAAAAf39/AAEAAABkAAAAAAAAABQAAABAHwAAAAAAACYAAAAAAAAAwOD//wAAAAAmAAAAZAAAABYAAABMAAAAAAAAAAAAAAAEAAAAAAAAAAEAAADn5uYKAAAAACgAAAAoAAAAZAAAAGQAAAAAAAAAzMzMAAAAAABQAAAAUAAAAGQAAABkAAAAAAAAABcAAAAUAAAAAAAAAAAAAAD/fwAA/38AAAAAAAAJAAAABAAAAAAAAAAeAAAAaAAAAAAAAAAAAAAAAAAAAAAAAAAAAAAAECcAABAnAAAAAAAAAAAAAAAAAAAAAAAAAAAAAAAAAAAAAAAAAAAAABQAAAAAAAAAwMD/AAAAAABkAAAAMgAAAAAAAABkAAAAAAAAAH9/fwAKAAAAIgAAABgAAAAAAAAAAAAAAAAAAAAAAAAAAAAAAAAAAAAkAAAAJAAAAAAAAAAHAAAAAAAAAAAAAAAAAAAAAAAAAAAAAAAAAAAAf39/ACUAAABYAAAAAAAAAAAAAAAAAAAAAAAAAAAAAAAAAAAAAAAAAAAAAAAAAAAAAAAAAAAAAAA/AAAAAAAAAKCGAQAAAAAAAAAAAAAAAAAMAAAAAQAAAAAAAAAAAAAAAAAAAB8AAABUAAAAAAAABQAAAAEAAAAAAAAAAAAAAAAAAAAAAAAAAAAAAAAAAAAAAAAAAAAAAAJ/f38AAAAAA8zMzADAwP8Af39/AAAAAAAAAAAAAAAAAAAAAAAAAAAAIQAAABgAAAAUAAAA2BgAABonAAAoMgAAWSkAABAAAAAmAAAACAAAAAAAAAAAAAAAMAAAABQAAAAAAAAAAAD//wAAAQAAAP//AAABAA=="/>
               </a:ext>
             </a:extLst>
           </p:cNvSpPr>
@@ -4248,6 +4103,7 @@
             <a:pPr>
               <a:defRPr lang="ru-ru"/>
             </a:pPr>
+            <a:endParaRPr/>
           </a:p>
         </p:txBody>
       </p:sp>
@@ -4258,7 +4114,7 @@
             <a:spLocks noGrp="1" noChangeArrowheads="1"/>
             <a:extLst>
               <a:ext uri="smNativeData">
-                <pr:smNativeData xmlns:pr="smNativeData" xmlns="smNativeData" val="SMDATA_16_xzE7ZxMAAAAlAAAAZAAAAA0AAAAAkAAAAEgAAACQAAAASAAAAAAAAAABAAAAAAAAAAEAAABQAAAAAAAAAAAA4D8AAAAAAADgPwAAAAAAAOA/AAAAAAAA4D8AAAAAAADgPwAAAAAAAOA/AAAAAAAA4D8AAAAAAADgPwAAAAAAAOA/AAAAAAAA4D8CAAAAjAAAAAAAAAAAAAAARHLEDP///wgAAAAAAAAAAAAAAAAAAAAAAAAAAAAAAAAAAAAAZAAAAAEAAABAAAAAAAAAAAAAAAAAAAAAAAAAAAAAAAAAAAAAAAAAAAAAAAAAAAAAAAAAAAAAAAAAAAAAAAAAAAAAAAAAAAAAAAAAAAAAAAAAAAAAAAAAAAAAAAAAAAAAFAAAADwAAAAAAAAAAAAAAAAAAAkUAAAAAQAAABQAAAAUAAAAFAAAAAEAAAAAAAAAZAAAAGQAAAAAAAAAZAAAAGQAAAAVAAAAYAAAAAAAAAAAAAAADwAAACADAAAAAAAAAAAAAAEAAACgMgAAVgcAAKr4//8BAAAAf39/AAEAAABkAAAAAAAAABQAAABAHwAAAAAAACYAAAAAAAAAwOD//wAAAAAmAAAAZAAAABYAAABMAAAAAAAAAAAAAAAEAAAAAAAAAAEAAADn5uYKAAAAACgAAAAoAAAAZAAAAGQAAAAAAAAAzMzMAAAAAABQAAAAUAAAAGQAAABkAAAAAAAAABcAAAAUAAAAAAAAAAAAAAD/fwAA/38AAAAAAAAJAAAABAAAAAAAAAAeAAAAaAAAAAAAAAAAAAAAAAAAAAAAAAAAAAAAECcAABAnAAAAAAAAAAAAAAAAAAAAAAAAAAAAAAAAAAAAAAAAAAAAABQAAAAAAAAAwMD/AAAAAABkAAAAMgAAAAAAAABkAAAAAAAAAH9/fwAKAAAAIgAAABgAAAAAAAAAAAAAAAAAAAAAAAAAAAAAAAAAAAAkAAAAJAAAAAAAAAAHAAAAAAAAAAAAAAAAAAAAAAAAAAAAAAAAAAAAf39/ACUAAABYAAAAAAAAAAAAAAAAAAAAAAAAAAAAAAAAAAAAAAAAAAAAAAAAAAAAAAAAAAAAAAA/AAAAAAAAAKCGAQAAAAAAAAAAAAAAAAAMAAAAAQAAAAAAAAAAAAAAAAAAAB8AAABUAAAAAAAABQAAAAEAAAAAAAAAAAAAAAAAAAAAAAAAAAAAAAAAAAAAAAAAAAAAAAJ/f38AAAAAA8zMzADAwP8Af39/AAAAAAAAAAAAAAAAAAAAAAAAAAAAIQAAABgAAAAUAAAA+DQAABonAADYRQAAWSkAABAAAAAmAAAACAAAAAAAAAAAAAAAMAAAABQAAAAAAAAAAAD//wAAAQAAAP//AAABAA=="/>
+                <pr:smNativeData xmlns:mc="http://schemas.openxmlformats.org/markup-compatibility/2006" xmlns:p14="http://schemas.microsoft.com/office/powerpoint/2010/main" xmlns:p15="http://schemas.microsoft.com/office/powerpoint/2012/main" xmlns:pr="smNativeData" xmlns="smNativeData" val="SMDATA_16_xzE7ZxMAAAAlAAAAZAAAAA0AAAAAkAAAAEgAAACQAAAASAAAAAAAAAABAAAAAAAAAAEAAABQAAAAAAAAAAAA4D8AAAAAAADgPwAAAAAAAOA/AAAAAAAA4D8AAAAAAADgPwAAAAAAAOA/AAAAAAAA4D8AAAAAAADgPwAAAAAAAOA/AAAAAAAA4D8CAAAAjAAAAAAAAAAAAAAARHLEDP///wgAAAAAAAAAAAAAAAAAAAAAAAAAAAAAAAAAAAAAZAAAAAEAAABAAAAAAAAAAAAAAAAAAAAAAAAAAAAAAAAAAAAAAAAAAAAAAAAAAAAAAAAAAAAAAAAAAAAAAAAAAAAAAAAAAAAAAAAAAAAAAAAAAAAAAAAAAAAAAAAAAAAAFAAAADwAAAAAAAAAAAAAAAAAAAkUAAAAAQAAABQAAAAUAAAAFAAAAAEAAAAAAAAAZAAAAGQAAAAAAAAAZAAAAGQAAAAVAAAAYAAAAAAAAAAAAAAADwAAACADAAAAAAAAAAAAAAEAAACgMgAAVgcAAKr4//8BAAAAf39/AAEAAABkAAAAAAAAABQAAABAHwAAAAAAACYAAAAAAAAAwOD//wAAAAAmAAAAZAAAABYAAABMAAAAAAAAAAAAAAAEAAAAAAAAAAEAAADn5uYKAAAAACgAAAAoAAAAZAAAAGQAAAAAAAAAzMzMAAAAAABQAAAAUAAAAGQAAABkAAAAAAAAABcAAAAUAAAAAAAAAAAAAAD/fwAA/38AAAAAAAAJAAAABAAAAAAAAAAeAAAAaAAAAAAAAAAAAAAAAAAAAAAAAAAAAAAAECcAABAnAAAAAAAAAAAAAAAAAAAAAAAAAAAAAAAAAAAAAAAAAAAAABQAAAAAAAAAwMD/AAAAAABkAAAAMgAAAAAAAABkAAAAAAAAAH9/fwAKAAAAIgAAABgAAAAAAAAAAAAAAAAAAAAAAAAAAAAAAAAAAAAkAAAAJAAAAAAAAAAHAAAAAAAAAAAAAAAAAAAAAAAAAAAAAAAAAAAAf39/ACUAAABYAAAAAAAAAAAAAAAAAAAAAAAAAAAAAAAAAAAAAAAAAAAAAAAAAAAAAAAAAAAAAAA/AAAAAAAAAKCGAQAAAAAAAAAAAAAAAAAMAAAAAQAAAAAAAAAAAAAAAAAAAB8AAABUAAAAAAAABQAAAAEAAAAAAAAAAAAAAAAAAAAAAAAAAAAAAAAAAAAAAAAAAAAAAAJ/f38AAAAAA8zMzADAwP8Af39/AAAAAAAAAAAAAAAAAAAAAAAAAAAAIQAAABgAAAAUAAAA+DQAABonAADYRQAAWSkAABAAAAAmAAAACAAAAAAAAAAAAAAAMAAAABQAAAAAAAAAAAD//wAAAQAAAP//AAABAA=="/>
               </a:ext>
             </a:extLst>
           </p:cNvSpPr>
@@ -4277,6 +4133,7 @@
             <a:fld id="{3BC5E57B-35D6-9013-987D-C346AB336E96}" type="slidenum">
               <a:t>‹#›</a:t>
             </a:fld>
+            <a:endParaRPr/>
           </a:p>
         </p:txBody>
       </p:sp>
@@ -4290,7 +4147,7 @@
 </file>
 
 <file path=ppt/slideMasters/slideMaster1.xml><?xml version="1.0" encoding="utf-8"?>
-<p:sldMaster xmlns:p="http://schemas.openxmlformats.org/presentationml/2006/main" xmlns:mc="http://schemas.openxmlformats.org/markup-compatibility/2006" xmlns:p14="http://schemas.microsoft.com/office/powerpoint/2010/main" xmlns:p15="http://schemas.microsoft.com/office/powerpoint/2012/main" xmlns:r="http://schemas.openxmlformats.org/officeDocument/2006/relationships" xmlns:a="http://schemas.openxmlformats.org/drawingml/2006/main">
+<p:sldMaster xmlns:a="http://schemas.openxmlformats.org/drawingml/2006/main" xmlns:r="http://schemas.openxmlformats.org/officeDocument/2006/relationships" xmlns:p="http://schemas.openxmlformats.org/presentationml/2006/main">
   <p:cSld>
     <p:bg>
       <p:bgPr>
@@ -4321,7 +4178,7 @@
             <a:spLocks noGrp="1" noChangeArrowheads="1"/>
             <a:extLst>
               <a:ext uri="smNativeData">
-                <pr:smNativeData xmlns:pr="smNativeData" xmlns="smNativeData" val="SMDATA_16_xzE7ZxMAAAAlAAAAZAAAAA0AAAAAkAAAAEgAAACQAAAASAAAAAAAAAABAAAAAAAAAAEAAABQAAAAAAAAAAAA4D8AAAAAAADgPwAAAAAAAOA/AAAAAAAA4D8AAAAAAADgPwAAAAAAAOA/AAAAAAAA4D8AAAAAAADgPwAAAAAAAOA/AAAAAAAA4D8CAAAAjAAAAAAAAAAAAAAA////AP///wgAAAAAAAAAAAAAAAAAAAAAAAAAAAAAAAAAAAAAeAAAAAEAAABAAAAAAAAAAAAAAABaAAAAAAAAAAAAAAAAAAAAAAAAAAAAAAAAAAAAAAAAAAAAAAAAAAAAAAAAAAAAAAAAAAAAAAAAAAAAAAAAAAAAAAAAAAAAAAAAAAAAFAAAADwAAAAAAAAAAAAAAAAAAAAPAAAAAQAAACMAAAAjAAAAIwAAAB4AAAAAAAAAZAAAAGQAAAAAAAAAZAAAAGQAAAAVAAAAYAAAAAAAAAAAAAAADwAAACADAAAAAAAAAAAAAAEAAACgMgAAVgcAAKr4//8BAAAAf39/AAEAAABkAAAAAAAAABQAAABAHwAAAAAAACYAAAAAAAAAwOD//wAAAAAmAAAAZAAAABYAAABMAAAAAAAAAAAAAAAEAAAAAAAAAAEAAADn5uYKAAAAACgAAAAoAAAAZAAAAGQAAAAAAAAAzMzMAAAAAABQAAAAUAAAAGQAAABkAAAAAAAAABcAAAAUAAAAAAAAAAAAAAD/fwAA/38AAAAAAAAJAAAABAAAAAAAAAAeAAAAaAAAAAAAAAAAAAAAAAAAAAAAAAAAAAAAECcAABAnAAAAAAAAAAAAAAAAAAAAAAAAAAAAAAAAAAAAAAAAAAAAABQAAAAAAAAAwMD/AAAAAABkAAAAMgAAAAAAAABkAAAAAAAAAH9/fwAKAAAAIgAAABgAAAAAAAAAAAAAAAAAAAAAAAAAAAAAAAAAAAAkAAAAJAAAAAAAAAAHAAAAAAAAAAAAAAAAAAAAAAAAAAAAAAAAAAAAf39/ACUAAABYAAAAAAAAAAAAAAAAAAAAAAAAAAAAAAAAAAAAAAAAAAAAAAAAAAAAAAAAAAAAAAA/AAAAAAAAAKCGAQAAAAAAAAAAAAAAAAAMAAAAAQAAAAAAAAAAAAAAAAAAAB8AAABUAAAA////AAAAAAEAAAAAAAAAAAAAAAAAAAAAAAAAAAAAAAAAAAAAAAAAAAAAAAB/f38AAAAAA8zMzADAwP8Af39/AAAAAAAAAAAAAAAAAAAAAAAAAAAAIQAAABgAAAAUAAAAKAUAAD8CAADYRQAAZwoAABAAAAAmAAAACAAAAL8vAAAAAAAAMAAAABQAAAAAAAAAAAD//wAAAQAAAP//AAABAA=="/>
+                <pr:smNativeData xmlns:mc="http://schemas.openxmlformats.org/markup-compatibility/2006" xmlns:p14="http://schemas.microsoft.com/office/powerpoint/2010/main" xmlns:p15="http://schemas.microsoft.com/office/powerpoint/2012/main" xmlns:pr="smNativeData" xmlns="smNativeData" val="SMDATA_16_xzE7ZxMAAAAlAAAAZAAAAA0AAAAAkAAAAEgAAACQAAAASAAAAAAAAAABAAAAAAAAAAEAAABQAAAAAAAAAAAA4D8AAAAAAADgPwAAAAAAAOA/AAAAAAAA4D8AAAAAAADgPwAAAAAAAOA/AAAAAAAA4D8AAAAAAADgPwAAAAAAAOA/AAAAAAAA4D8CAAAAjAAAAAAAAAAAAAAA////AP///wgAAAAAAAAAAAAAAAAAAAAAAAAAAAAAAAAAAAAAeAAAAAEAAABAAAAAAAAAAAAAAABaAAAAAAAAAAAAAAAAAAAAAAAAAAAAAAAAAAAAAAAAAAAAAAAAAAAAAAAAAAAAAAAAAAAAAAAAAAAAAAAAAAAAAAAAAAAAAAAAAAAAFAAAADwAAAAAAAAAAAAAAAAAAAAPAAAAAQAAACMAAAAjAAAAIwAAAB4AAAAAAAAAZAAAAGQAAAAAAAAAZAAAAGQAAAAVAAAAYAAAAAAAAAAAAAAADwAAACADAAAAAAAAAAAAAAEAAACgMgAAVgcAAKr4//8BAAAAf39/AAEAAABkAAAAAAAAABQAAABAHwAAAAAAACYAAAAAAAAAwOD//wAAAAAmAAAAZAAAABYAAABMAAAAAAAAAAAAAAAEAAAAAAAAAAEAAADn5uYKAAAAACgAAAAoAAAAZAAAAGQAAAAAAAAAzMzMAAAAAABQAAAAUAAAAGQAAABkAAAAAAAAABcAAAAUAAAAAAAAAAAAAAD/fwAA/38AAAAAAAAJAAAABAAAAAAAAAAeAAAAaAAAAAAAAAAAAAAAAAAAAAAAAAAAAAAAECcAABAnAAAAAAAAAAAAAAAAAAAAAAAAAAAAAAAAAAAAAAAAAAAAABQAAAAAAAAAwMD/AAAAAABkAAAAMgAAAAAAAABkAAAAAAAAAH9/fwAKAAAAIgAAABgAAAAAAAAAAAAAAAAAAAAAAAAAAAAAAAAAAAAkAAAAJAAAAAAAAAAHAAAAAAAAAAAAAAAAAAAAAAAAAAAAAAAAAAAAf39/ACUAAABYAAAAAAAAAAAAAAAAAAAAAAAAAAAAAAAAAAAAAAAAAAAAAAAAAAAAAAAAAAAAAAA/AAAAAAAAAKCGAQAAAAAAAAAAAAAAAAAMAAAAAQAAAAAAAAAAAAAAAAAAAB8AAABUAAAA////AAAAAAEAAAAAAAAAAAAAAAAAAAAAAAAAAAAAAAAAAAAAAAAAAAAAAAB/f38AAAAAA8zMzADAwP8Af39/AAAAAAAAAAAAAAAAAAAAAAAAAAAAIQAAABgAAAAUAAAAKAUAAD8CAADYRQAAZwoAABAAAAAmAAAACAAAAL8vAAAAAAAAMAAAABQAAAAAAAAAAAD//wAAAQAAAP//AAABAA=="/>
               </a:ext>
             </a:extLst>
           </p:cNvSpPr>
@@ -4362,7 +4219,7 @@
             <a:spLocks noGrp="1" noChangeArrowheads="1"/>
             <a:extLst>
               <a:ext uri="smNativeData">
-                <pr:smNativeData xmlns:pr="smNativeData" xmlns="smNativeData" val="SMDATA_16_xzE7ZxMAAAAlAAAAZAAAAA0AAAAAkAAAAEgAAACQAAAASAAAAAAAAAAAAAAAAAAAAAEAAABQAAAAAAAAAAAA4D8AAAAAAADgPwAAAAAAAOA/AAAAAAAA4D8AAAAAAADgPwAAAAAAAOA/AAAAAAAA4D8AAAAAAADgPwAAAAAAAOA/AAAAAAAA4D8CAAAAjAAAAAAAAAAAAAAA////AP///wgAAAAAAAAAAAAAAAAAAAAAAAAAAAAAAAAAAAAAeAAAAAEAAABAAAAAAAAAAAAAAABaAAAAAAAAAAAAAAAAAAAAAAAAAAAAAAAAAAAAAAAAAAAAAAAAAAAAAAAAAAAAAAAAAAAAAAAAAAAAAAAAAAAAAAAAAAAAAAAAAAAAFAAAADwAAAAAAAAAAAAAAAAAAAAPAAAAAQAAACMAAAAjAAAAIwAAAB4AAAAAAAAAZAAAAGQAAAAAAAAAZAAAAGQAAAAVAAAAYAAAAAAAAAAAAAAADwAAACADAAAAAAAAAAAAAAEAAACgMgAAVgcAAKr4//8BAAAAf39/AAEAAABkAAAAAAAAABQAAABAHwAAAAAAACYAAAAAAAAAwOD//wAAAAAmAAAAZAAAABYAAABMAAAAAAAAAAAAAAAEAAAAAAAAAAEAAADn5uYKAAAAACgAAAAoAAAAZAAAAGQAAAAAAAAAzMzMAAAAAABQAAAAUAAAAGQAAABkAAAAAAAAABcAAAAUAAAAAAAAAAAAAAD/fwAA/38AAAAAAAAJAAAABAAAAAAAAAAeAAAAaAAAAAAAAAAAAAAAAAAAAAAAAAAAAAAAECcAABAnAAAAAAAAAAAAAAAAAAAAAAAAAAAAAAAAAAAAAAAAAAAAABQAAAAAAAAAwMD/AAAAAABkAAAAMgAAAAAAAABkAAAAAAAAAH9/fwAKAAAAIgAAABgAAAAAAAAAAAAAAAAAAAAAAAAAAAAAAAAAAAAkAAAAJAAAAAAAAAAHAAAAAAAAAAAAAAAAAAAAAAAAAAAAAAAAAAAAf39/ACUAAABYAAAAAAAAAAAAAAAAAAAAAAAAAAAAAAAAAAAAAAAAAAAAAAAAAAAAAAAAAAAAAAA/AAAAAAAAAKCGAQAAAAAAAAAAAAAAAAAMAAAAAQAAAAAAAAAAAAAAAAAAAB8AAABUAAAA////AAAAAAEAAAAAAAAAAAAAAAAAAAAAAAAAAAAAAAAAAAAAAAAAAAAAAAB/f38AAAAAA8zMzADAwP8Af39/AAAAAAAAAAAAAAAAAAAAAAAAAAAAIQAAABgAAAAUAAAAKAUAADsLAADYRQAAACYAABAAAAAmAAAACAAAAD8vAAAAAAAAMAAAABQAAAAAAAAAAAD//wAAAQAAAP//AAABAA=="/>
+                <pr:smNativeData xmlns:mc="http://schemas.openxmlformats.org/markup-compatibility/2006" xmlns:p14="http://schemas.microsoft.com/office/powerpoint/2010/main" xmlns:p15="http://schemas.microsoft.com/office/powerpoint/2012/main" xmlns:pr="smNativeData" xmlns="smNativeData" val="SMDATA_16_xzE7ZxMAAAAlAAAAZAAAAA0AAAAAkAAAAEgAAACQAAAASAAAAAAAAAAAAAAAAAAAAAEAAABQAAAAAAAAAAAA4D8AAAAAAADgPwAAAAAAAOA/AAAAAAAA4D8AAAAAAADgPwAAAAAAAOA/AAAAAAAA4D8AAAAAAADgPwAAAAAAAOA/AAAAAAAA4D8CAAAAjAAAAAAAAAAAAAAA////AP///wgAAAAAAAAAAAAAAAAAAAAAAAAAAAAAAAAAAAAAeAAAAAEAAABAAAAAAAAAAAAAAABaAAAAAAAAAAAAAAAAAAAAAAAAAAAAAAAAAAAAAAAAAAAAAAAAAAAAAAAAAAAAAAAAAAAAAAAAAAAAAAAAAAAAAAAAAAAAAAAAAAAAFAAAADwAAAAAAAAAAAAAAAAAAAAPAAAAAQAAACMAAAAjAAAAIwAAAB4AAAAAAAAAZAAAAGQAAAAAAAAAZAAAAGQAAAAVAAAAYAAAAAAAAAAAAAAADwAAACADAAAAAAAAAAAAAAEAAACgMgAAVgcAAKr4//8BAAAAf39/AAEAAABkAAAAAAAAABQAAABAHwAAAAAAACYAAAAAAAAAwOD//wAAAAAmAAAAZAAAABYAAABMAAAAAAAAAAAAAAAEAAAAAAAAAAEAAADn5uYKAAAAACgAAAAoAAAAZAAAAGQAAAAAAAAAzMzMAAAAAABQAAAAUAAAAGQAAABkAAAAAAAAABcAAAAUAAAAAAAAAAAAAAD/fwAA/38AAAAAAAAJAAAABAAAAAAAAAAeAAAAaAAAAAAAAAAAAAAAAAAAAAAAAAAAAAAAECcAABAnAAAAAAAAAAAAAAAAAAAAAAAAAAAAAAAAAAAAAAAAAAAAABQAAAAAAAAAwMD/AAAAAABkAAAAMgAAAAAAAABkAAAAAAAAAH9/fwAKAAAAIgAAABgAAAAAAAAAAAAAAAAAAAAAAAAAAAAAAAAAAAAkAAAAJAAAAAAAAAAHAAAAAAAAAAAAAAAAAAAAAAAAAAAAAAAAAAAAf39/ACUAAABYAAAAAAAAAAAAAAAAAAAAAAAAAAAAAAAAAAAAAAAAAAAAAAAAAAAAAAAAAAAAAAA/AAAAAAAAAKCGAQAAAAAAAAAAAAAAAAAMAAAAAQAAAAAAAAAAAAAAAAAAAB8AAABUAAAA////AAAAAAEAAAAAAAAAAAAAAAAAAAAAAAAAAAAAAAAAAAAAAAAAAAAAAAB/f38AAAAAA8zMzADAwP8Af39/AAAAAAAAAAAAAAAAAAAAAAAAAAAAIQAAABgAAAAUAAAAKAUAADsLAADYRQAAACYAABAAAAAmAAAACAAAAD8vAAAAAAAAMAAAABQAAAAAAAAAAAD//wAAAQAAAP//AAABAA=="/>
               </a:ext>
             </a:extLst>
           </p:cNvSpPr>
@@ -4435,7 +4292,7 @@
             <a:spLocks noGrp="1" noChangeArrowheads="1"/>
             <a:extLst>
               <a:ext uri="smNativeData">
-                <pr:smNativeData xmlns:pr="smNativeData" xmlns="smNativeData" val="SMDATA_16_xzE7ZxMAAAAlAAAAZAAAAA0AAAAAkAAAAEgAAACQAAAASAAAAAAAAAABAAAAAAAAAAEAAABQAAAAAAAAAAAA4D8AAAAAAADgPwAAAAAAAOA/AAAAAAAA4D8AAAAAAADgPwAAAAAAAOA/AAAAAAAA4D8AAAAAAADgPwAAAAAAAOA/AAAAAAAA4D8CAAAAjAAAAAAAAAAAAAAA////AP///wgAAAAAAAAAAAAAAAAAAAAAAAAAAAAAAAAAAAAAeAAAAAEAAABAAAAAAAAAAAAAAABaAAAAAAAAAAAAAAAAAAAAAAAAAAAAAAAAAAAAAAAAAAAAAAAAAAAAAAAAAAAAAAAAAAAAAAAAAAAAAAAAAAAAAAAAAAAAAAAAAAAAFAAAADwAAAAAAAAAAAAAAAAAAAAPAAAAAQAAACMAAAAjAAAAIwAAAB4AAAAAAAAAZAAAAGQAAAAAAAAAZAAAAGQAAAAVAAAAYAAAAAAAAAAAAAAADwAAACADAAAAAAAAAAAAAAEAAACgMgAAVgcAAKr4//8BAAAAf39/AAEAAABkAAAAAAAAABQAAABAHwAAAAAAACYAAAAAAAAAwOD//wAAAAAmAAAAZAAAABYAAABMAAAAAAAAAAAAAAAEAAAAAAAAAAEAAADn5uYKAAAAACgAAAAoAAAAZAAAAGQAAAAAAAAAzMzMAAAAAABQAAAAUAAAAGQAAABkAAAAAAAAABcAAAAUAAAAAAAAAAAAAAD/fwAA/38AAAAAAAAJAAAABAAAAHiYZxAeAAAAaAAAAAAAAAAAAAAAAAAAAAAAAAAAAAAAECcAABAnAAAAAAAAAAAAAAAAAAAAAAAAAAAAAAAAAAAAAAAAAAAAABQAAAAAAAAAwMD/AAAAAABkAAAAMgAAAAAAAABkAAAAAAAAAH9/fwAKAAAAIgAAABgAAAAAAAAAAAAAAAAAAAAAAAAAAAAAAAAAAAAkAAAAJAAAAAAAAAAHAAAAAAAAAAAAAAAAAAAAAAAAAAAAAAAAAAAAf39/ACUAAABYAAAAAAAAAAAAAAAAAAAAAAAAAAAAAAAAAAAAAAAAAAAAAAAAAAAAAAAAAAAAAAA/AAAAAAAAAKCGAQAAAAAAAAAAAAAAAAAMAAAAAQAAAAAAAAAAAAAAAAAAAB8AAABUAAAA////AAAAAAEAAAAAAAAAAAAAAAAAAAAAAAAAAAAAAAAAAAAAAAAAAAAAAAB/f38AAAAAA8zMzADAwP8Af39/AAAAAAAAAAAAAAAAAAAAAAAAAAAAIQAAABgAAAAUAAAAKAUAABonAAAIFgAAWSkAABAAAAAmAAAACAAAAL+PAAAAAAAAMAAAABQAAAAAAAAAAAD//wAAAQAAAP//AAABAA=="/>
+                <pr:smNativeData xmlns:mc="http://schemas.openxmlformats.org/markup-compatibility/2006" xmlns:p14="http://schemas.microsoft.com/office/powerpoint/2010/main" xmlns:p15="http://schemas.microsoft.com/office/powerpoint/2012/main" xmlns:pr="smNativeData" xmlns="smNativeData" val="SMDATA_16_xzE7ZxMAAAAlAAAAZAAAAA0AAAAAkAAAAEgAAACQAAAASAAAAAAAAAABAAAAAAAAAAEAAABQAAAAAAAAAAAA4D8AAAAAAADgPwAAAAAAAOA/AAAAAAAA4D8AAAAAAADgPwAAAAAAAOA/AAAAAAAA4D8AAAAAAADgPwAAAAAAAOA/AAAAAAAA4D8CAAAAjAAAAAAAAAAAAAAA////AP///wgAAAAAAAAAAAAAAAAAAAAAAAAAAAAAAAAAAAAAeAAAAAEAAABAAAAAAAAAAAAAAABaAAAAAAAAAAAAAAAAAAAAAAAAAAAAAAAAAAAAAAAAAAAAAAAAAAAAAAAAAAAAAAAAAAAAAAAAAAAAAAAAAAAAAAAAAAAAAAAAAAAAFAAAADwAAAAAAAAAAAAAAAAAAAAPAAAAAQAAACMAAAAjAAAAIwAAAB4AAAAAAAAAZAAAAGQAAAAAAAAAZAAAAGQAAAAVAAAAYAAAAAAAAAAAAAAADwAAACADAAAAAAAAAAAAAAEAAACgMgAAVgcAAKr4//8BAAAAf39/AAEAAABkAAAAAAAAABQAAABAHwAAAAAAACYAAAAAAAAAwOD//wAAAAAmAAAAZAAAABYAAABMAAAAAAAAAAAAAAAEAAAAAAAAAAEAAADn5uYKAAAAACgAAAAoAAAAZAAAAGQAAAAAAAAAzMzMAAAAAABQAAAAUAAAAGQAAABkAAAAAAAAABcAAAAUAAAAAAAAAAAAAAD/fwAA/38AAAAAAAAJAAAABAAAAHiYZxAeAAAAaAAAAAAAAAAAAAAAAAAAAAAAAAAAAAAAECcAABAnAAAAAAAAAAAAAAAAAAAAAAAAAAAAAAAAAAAAAAAAAAAAABQAAAAAAAAAwMD/AAAAAABkAAAAMgAAAAAAAABkAAAAAAAAAH9/fwAKAAAAIgAAABgAAAAAAAAAAAAAAAAAAAAAAAAAAAAAAAAAAAAkAAAAJAAAAAAAAAAHAAAAAAAAAAAAAAAAAAAAAAAAAAAAAAAAAAAAf39/ACUAAABYAAAAAAAAAAAAAAAAAAAAAAAAAAAAAAAAAAAAAAAAAAAAAAAAAAAAAAAAAAAAAAA/AAAAAAAAAKCGAQAAAAAAAAAAAAAAAAAMAAAAAQAAAAAAAAAAAAAAAAAAAB8AAABUAAAA////AAAAAAEAAAAAAAAAAAAAAAAAAAAAAAAAAAAAAAAAAAAAAAAAAAAAAAB/f38AAAAAA8zMzADAwP8Af39/AAAAAAAAAAAAAAAAAAAAAAAAAAAAIQAAABgAAAAUAAAAKAUAABonAAAIFgAAWSkAABAAAAAmAAAACAAAAL+PAAAAAAAAMAAAABQAAAAAAAAAAAD//wAAAQAAAP//AAABAA=="/>
               </a:ext>
             </a:extLst>
           </p:cNvSpPr>
@@ -4496,8 +4353,9 @@
               <a:defRPr lang="ru-ru"/>
             </a:pPr>
             <a:fld id="{3BC5EB64-2AD6-901D-987D-DC48A5336E89}" type="datetime1">
-              <a:t/>
+              <a:t>20.11.2024</a:t>
             </a:fld>
+            <a:endParaRPr/>
           </a:p>
         </p:txBody>
       </p:sp>
@@ -4508,7 +4366,7 @@
             <a:spLocks noGrp="1" noChangeArrowheads="1"/>
             <a:extLst>
               <a:ext uri="smNativeData">
-                <pr:smNativeData xmlns:pr="smNativeData" xmlns="smNativeData" val="SMDATA_16_xzE7ZxMAAAAlAAAAZAAAAA0AAAAAkAAAAEgAAACQAAAASAAAAAAAAAABAAAAAAAAAAEAAABQAAAAAAAAAAAA4D8AAAAAAADgPwAAAAAAAOA/AAAAAAAA4D8AAAAAAADgPwAAAAAAAOA/AAAAAAAA4D8AAAAAAADgPwAAAAAAAOA/AAAAAAAA4D8CAAAAjAAAAAAAAAAAAAAA////AP///wgAAAAAAAAAAAAAAAAAAAAAAAAAAAAAAAAAAAAAeAAAAAEAAABAAAAAAAAAAAAAAABaAAAAAAAAAAAAAAAAAAAAAAAAAAAAAAAAAAAAAAAAAAAAAAAAAAAAAAAAAAAAAAAAAAAAAAAAAAAAAAAAAAAAAAAAAAAAAAAAAAAAFAAAADwAAAAAAAAAAAAAAAAAAAAPAAAAAQAAACMAAAAjAAAAIwAAAB4AAAAAAAAAZAAAAGQAAAAAAAAAZAAAAGQAAAAVAAAAYAAAAAAAAAAAAAAADwAAACADAAAAAAAAAAAAAAEAAACgMgAAVgcAAKr4//8BAAAAf39/AAEAAABkAAAAAAAAABQAAABAHwAAAAAAACYAAAAAAAAAwOD//wAAAAAmAAAAZAAAABYAAABMAAAAAAAAAAAAAAAEAAAAAAAAAAEAAADn5uYKAAAAACgAAAAoAAAAZAAAAGQAAAAAAAAAzMzMAAAAAABQAAAAUAAAAGQAAABkAAAAAAAAABcAAAAUAAAAAAAAAAAAAAD/fwAA/38AAAAAAAAJAAAABAAAAGwAZQAeAAAAaAAAAAAAAAAAAAAAAAAAAAAAAAAAAAAAECcAABAnAAAAAAAAAAAAAAAAAAAAAAAAAAAAAAAAAAAAAAAAAAAAABQAAAAAAAAAwMD/AAAAAABkAAAAMgAAAAAAAABkAAAAAAAAAH9/fwAKAAAAIgAAABgAAAAAAAAAAAAAAAAAAAAAAAAAAAAAAAAAAAAkAAAAJAAAAAAAAAAHAAAAAAAAAAAAAAAAAAAAAAAAAAAAAAAAAAAAf39/ACUAAABYAAAAAAAAAAAAAAAAAAAAAAAAAAAAAAAAAAAAAAAAAAAAAAAAAAAAAAAAAAAAAAA/AAAAAAAAAKCGAQAAAAAAAAAAAAAAAAAMAAAAAQAAAAAAAAAAAAAAAAAAAB8AAABUAAAA////AAAAAAEAAAAAAAAAAAAAAAAAAAAAAAAAAAAAAAAAAAAAAAAAAAAAAAB/f38AAAAAA8zMzADAwP8Af39/AAAAAAAAAAAAAAAAAAAAAAAAAAAAIQAAABgAAAAUAAAA2BgAABonAAAoMgAAWSkAABAAAAAmAAAACAAAAL+PAAAAAAAAMAAAABQAAAAAAAAAAAD//wAAAQAAAP//AAABAA=="/>
+                <pr:smNativeData xmlns:mc="http://schemas.openxmlformats.org/markup-compatibility/2006" xmlns:p14="http://schemas.microsoft.com/office/powerpoint/2010/main" xmlns:p15="http://schemas.microsoft.com/office/powerpoint/2012/main" xmlns:pr="smNativeData" xmlns="smNativeData" val="SMDATA_16_xzE7ZxMAAAAlAAAAZAAAAA0AAAAAkAAAAEgAAACQAAAASAAAAAAAAAABAAAAAAAAAAEAAABQAAAAAAAAAAAA4D8AAAAAAADgPwAAAAAAAOA/AAAAAAAA4D8AAAAAAADgPwAAAAAAAOA/AAAAAAAA4D8AAAAAAADgPwAAAAAAAOA/AAAAAAAA4D8CAAAAjAAAAAAAAAAAAAAA////AP///wgAAAAAAAAAAAAAAAAAAAAAAAAAAAAAAAAAAAAAeAAAAAEAAABAAAAAAAAAAAAAAABaAAAAAAAAAAAAAAAAAAAAAAAAAAAAAAAAAAAAAAAAAAAAAAAAAAAAAAAAAAAAAAAAAAAAAAAAAAAAAAAAAAAAAAAAAAAAAAAAAAAAFAAAADwAAAAAAAAAAAAAAAAAAAAPAAAAAQAAACMAAAAjAAAAIwAAAB4AAAAAAAAAZAAAAGQAAAAAAAAAZAAAAGQAAAAVAAAAYAAAAAAAAAAAAAAADwAAACADAAAAAAAAAAAAAAEAAACgMgAAVgcAAKr4//8BAAAAf39/AAEAAABkAAAAAAAAABQAAABAHwAAAAAAACYAAAAAAAAAwOD//wAAAAAmAAAAZAAAABYAAABMAAAAAAAAAAAAAAAEAAAAAAAAAAEAAADn5uYKAAAAACgAAAAoAAAAZAAAAGQAAAAAAAAAzMzMAAAAAABQAAAAUAAAAGQAAABkAAAAAAAAABcAAAAUAAAAAAAAAAAAAAD/fwAA/38AAAAAAAAJAAAABAAAAGwAZQAeAAAAaAAAAAAAAAAAAAAAAAAAAAAAAAAAAAAAECcAABAnAAAAAAAAAAAAAAAAAAAAAAAAAAAAAAAAAAAAAAAAAAAAABQAAAAAAAAAwMD/AAAAAABkAAAAMgAAAAAAAABkAAAAAAAAAH9/fwAKAAAAIgAAABgAAAAAAAAAAAAAAAAAAAAAAAAAAAAAAAAAAAAkAAAAJAAAAAAAAAAHAAAAAAAAAAAAAAAAAAAAAAAAAAAAAAAAAAAAf39/ACUAAABYAAAAAAAAAAAAAAAAAAAAAAAAAAAAAAAAAAAAAAAAAAAAAAAAAAAAAAAAAAAAAAA/AAAAAAAAAKCGAQAAAAAAAAAAAAAAAAAMAAAAAQAAAAAAAAAAAAAAAAAAAB8AAABUAAAA////AAAAAAEAAAAAAAAAAAAAAAAAAAAAAAAAAAAAAAAAAAAAAAAAAAAAAAB/f38AAAAAA8zMzADAwP8Af39/AAAAAAAAAAAAAAAAAAAAAAAAAAAAIQAAABgAAAAUAAAA2BgAABonAAAoMgAAWSkAABAAAAAmAAAACAAAAL+PAAAAAAAAMAAAABQAAAAAAAAAAAD//wAAAQAAAP//AAABAA=="/>
               </a:ext>
             </a:extLst>
           </p:cNvSpPr>
@@ -4568,6 +4426,7 @@
             <a:pPr>
               <a:defRPr lang="ru-ru"/>
             </a:pPr>
+            <a:endParaRPr/>
           </a:p>
         </p:txBody>
       </p:sp>
@@ -4578,7 +4437,7 @@
             <a:spLocks noGrp="1" noChangeArrowheads="1"/>
             <a:extLst>
               <a:ext uri="smNativeData">
-                <pr:smNativeData xmlns:pr="smNativeData" xmlns="smNativeData" val="SMDATA_16_xzE7ZxMAAAAlAAAAZAAAAA0AAAAAkAAAAEgAAACQAAAASAAAAAAAAAABAAAAAAAAAAEAAABQAAAAAAAAAAAA4D8AAAAAAADgPwAAAAAAAOA/AAAAAAAA4D8AAAAAAADgPwAAAAAAAOA/AAAAAAAA4D8AAAAAAADgPwAAAAAAAOA/AAAAAAAA4D8CAAAAjAAAAAAAAAAAAAAA////AP///wgAAAAAAAAAAAAAAAAAAAAAAAAAAAAAAAAAAAAAeAAAAAEAAABAAAAAAAAAAAAAAABaAAAAAAAAAAAAAAAAAAAAAAAAAAAAAAAAAAAAAAAAAAAAAAAAAAAAAAAAAAAAAAAAAAAAAAAAAAAAAAAAAAAAAAAAAAAAAAAAAAAAFAAAADwAAAAAAAAAAAAAAAAAAAAPAAAAAQAAACMAAAAjAAAAIwAAAB4AAAAAAAAAZAAAAGQAAAAAAAAAZAAAAGQAAAAVAAAAYAAAAAAAAAAAAAAADwAAACADAAAAAAAAAAAAAAEAAACgMgAAVgcAAKr4//8BAAAAf39/AAEAAABkAAAAAAAAABQAAABAHwAAAAAAACYAAAAAAAAAwOD//wAAAAAmAAAAZAAAABYAAABMAAAAAAAAAAAAAAAEAAAAAAAAAAEAAADn5uYKAAAAACgAAAAoAAAAZAAAAGQAAAAAAAAAzMzMAAAAAABQAAAAUAAAAGQAAABkAAAAAAAAABcAAAAUAAAAAAAAAAAAAAD/fwAA/38AAAAAAAAJAAAABAAAAAAAAAAeAAAAaAAAAAAAAAAAAAAAAAAAAAAAAAAAAAAAECcAABAnAAAAAAAAAAAAAAAAAAAAAAAAAAAAAAAAAAAAAAAAAAAAABQAAAAAAAAAwMD/AAAAAABkAAAAMgAAAAAAAABkAAAAAAAAAH9/fwAKAAAAIgAAABgAAAAAAAAAAAAAAAAAAAAAAAAAAAAAAAAAAAAkAAAAJAAAAAAAAAAHAAAAAAAAAAAAAAAAAAAAAAAAAAAAAAAAAAAAf39/ACUAAABYAAAAAAAAAAAAAAAAAAAAAAAAAAAAAAAAAAAAAAAAAAAAAAAAAAAAAAAAAAAAAAA/AAAAAAAAAKCGAQAAAAAAAAAAAAAAAAAMAAAAAQAAAAAAAAAAAAAAAAAAAB8AAABUAAAA////AAAAAAEAAAAAAAAAAAAAAAAAAAAAAAAAAAAAAAAAAAAAAAAAAAAAAAB/f38AAAAAA8zMzADAwP8Af39/AAAAAAAAAAAAAAAAAAAAAAAAAAAAIQAAABgAAAAUAAAA+DQAABonAADYRQAAWSkAABAAAAAmAAAACAAAAL+PAAAAAAAAMAAAABQAAAAAAAAAAAD//wAAAQAAAP//AAABAA=="/>
+                <pr:smNativeData xmlns:mc="http://schemas.openxmlformats.org/markup-compatibility/2006" xmlns:p14="http://schemas.microsoft.com/office/powerpoint/2010/main" xmlns:p15="http://schemas.microsoft.com/office/powerpoint/2012/main" xmlns:pr="smNativeData" xmlns="smNativeData" val="SMDATA_16_xzE7ZxMAAAAlAAAAZAAAAA0AAAAAkAAAAEgAAACQAAAASAAAAAAAAAABAAAAAAAAAAEAAABQAAAAAAAAAAAA4D8AAAAAAADgPwAAAAAAAOA/AAAAAAAA4D8AAAAAAADgPwAAAAAAAOA/AAAAAAAA4D8AAAAAAADgPwAAAAAAAOA/AAAAAAAA4D8CAAAAjAAAAAAAAAAAAAAA////AP///wgAAAAAAAAAAAAAAAAAAAAAAAAAAAAAAAAAAAAAeAAAAAEAAABAAAAAAAAAAAAAAABaAAAAAAAAAAAAAAAAAAAAAAAAAAAAAAAAAAAAAAAAAAAAAAAAAAAAAAAAAAAAAAAAAAAAAAAAAAAAAAAAAAAAAAAAAAAAAAAAAAAAFAAAADwAAAAAAAAAAAAAAAAAAAAPAAAAAQAAACMAAAAjAAAAIwAAAB4AAAAAAAAAZAAAAGQAAAAAAAAAZAAAAGQAAAAVAAAAYAAAAAAAAAAAAAAADwAAACADAAAAAAAAAAAAAAEAAACgMgAAVgcAAKr4//8BAAAAf39/AAEAAABkAAAAAAAAABQAAABAHwAAAAAAACYAAAAAAAAAwOD//wAAAAAmAAAAZAAAABYAAABMAAAAAAAAAAAAAAAEAAAAAAAAAAEAAADn5uYKAAAAACgAAAAoAAAAZAAAAGQAAAAAAAAAzMzMAAAAAABQAAAAUAAAAGQAAABkAAAAAAAAABcAAAAUAAAAAAAAAAAAAAD/fwAA/38AAAAAAAAJAAAABAAAAAAAAAAeAAAAaAAAAAAAAAAAAAAAAAAAAAAAAAAAAAAAECcAABAnAAAAAAAAAAAAAAAAAAAAAAAAAAAAAAAAAAAAAAAAAAAAABQAAAAAAAAAwMD/AAAAAABkAAAAMgAAAAAAAABkAAAAAAAAAH9/fwAKAAAAIgAAABgAAAAAAAAAAAAAAAAAAAAAAAAAAAAAAAAAAAAkAAAAJAAAAAAAAAAHAAAAAAAAAAAAAAAAAAAAAAAAAAAAAAAAAAAAf39/ACUAAABYAAAAAAAAAAAAAAAAAAAAAAAAAAAAAAAAAAAAAAAAAAAAAAAAAAAAAAAAAAAAAAA/AAAAAAAAAKCGAQAAAAAAAAAAAAAAAAAMAAAAAQAAAAAAAAAAAAAAAAAAAB8AAABUAAAA////AAAAAAEAAAAAAAAAAAAAAAAAAAAAAAAAAAAAAAAAAAAAAAAAAAAAAAB/f38AAAAAA8zMzADAwP8Af39/AAAAAAAAAAAAAAAAAAAAAAAAAAAAIQAAABgAAAAUAAAA+DQAABonAADYRQAAWSkAABAAAAAmAAAACAAAAL+PAAAAAAAAMAAAABQAAAAAAAAAAAD//wAAAQAAAP//AAABAA=="/>
               </a:ext>
             </a:extLst>
           </p:cNvSpPr>
@@ -4639,8 +4498,9 @@
               <a:defRPr lang="ru-ru"/>
             </a:pPr>
             <a:fld id="{3BC5F43E-70D6-9002-987D-8657BA336ED3}" type="slidenum">
-              <a:t/>
+              <a:t>‹#›</a:t>
             </a:fld>
+            <a:endParaRPr/>
           </a:p>
         </p:txBody>
       </p:sp>
@@ -5294,7 +5154,7 @@
 </file>
 
 <file path=ppt/slides/slide1.xml><?xml version="1.0" encoding="utf-8"?>
-<p:sld xmlns:p="http://schemas.openxmlformats.org/presentationml/2006/main" xmlns:mc="http://schemas.openxmlformats.org/markup-compatibility/2006" xmlns:p14="http://schemas.microsoft.com/office/powerpoint/2010/main" xmlns:p15="http://schemas.microsoft.com/office/powerpoint/2012/main" xmlns:r="http://schemas.openxmlformats.org/officeDocument/2006/relationships" xmlns:a="http://schemas.openxmlformats.org/drawingml/2006/main" mc:Ignorable="p14">
+<p:sld xmlns:a="http://schemas.openxmlformats.org/drawingml/2006/main" xmlns:r="http://schemas.openxmlformats.org/officeDocument/2006/relationships" xmlns:p="http://schemas.openxmlformats.org/presentationml/2006/main">
   <p:cSld>
     <p:spTree>
       <p:nvGrpSpPr>
@@ -5317,7 +5177,7 @@
             <a:picLocks noChangeAspect="1"/>
             <a:extLst>
               <a:ext uri="smNativeData">
-                <pr:smNativeData xmlns:pr="smNativeData" xmlns="smNativeData" val="SMDATA_18_xzE7ZxMAAAAlAAAAEQAAAC8BAAAAkAAAAEgAAACQAAAASAAAAAAAAAAAAAAAAAAAAAEAAABQAAAAAAAAAAAA4D8AAAAAAADgPwAAAAAAAOA/AAAAAAAA4D8AAAAAAADgPwAAAAAAAOA/AAAAAAAA4D8AAAAAAADgPwAAAAAAAOA/AAAAAAAA4D8CAAAAjAAAAAAAAAAAAAAARHLEDP///wgAAAAAAAAAAAAAAAAAAAAAAAAAAAAAAAAAAAAAZAAAAAEAAABAAAAAAAAAAAAAAAAAAAAAAAAAAAAAAAAAAAAAAAAAAAAAAAAAAAAAAAAAAAAAAAAAAAAAAAAAAAAAAAAAAAAAAAAAAAAAAAAAAAAAAAAAAAAAAAAAAAAAFAAAADwAAAAAAAAAAAAAAAAAAAkUAAAAAQAAABQAAAAUAAAAFAAAAAEAAAAAAAAAZAAAAGQAAAAAAAAAZAAAAGQAAAAVAAAAYAAAAAAAAAAAAAAADwAAACADAAAAAAAAAAAAAAEAAACgMgAAVgcAAKr4//8BAAAAf39/AAEAAABkAAAAAAAAABQAAABAHwAAAAAAACYAAAAAAAAAwOD//wAAAAAmAAAAZAAAABYAAABMAAAAAAAAAAAAAAAEAAAAAAAAAAEAAADn5uYKAAAAACgAAAAoAAAAZAAAAGQAAAAAAAAAzMzMAAAAAABQAAAAUAAAAGQAAABkAAAAAAAAAAcAAAA4AAAAAAAAAAAAAAAAAAAA////AAAAAAAAAAAAAAAAAAAAAAAAAAAAAAAAAAAAAABkAAAAZAAAAAAAAAAjAAAABAAAAGQAAAAXAAAAFAAAAAAAAAAAAAAA/38AAP9/AAAAAAAACQAAAAQAAAAAAAAAHgAAAGgAAAAAAAAAAAAAAAAAAAAAAAAAAAAAABAnAAAQJwAAAAAAAAAAAAAAAAAAAAAAAAAAAAAAAAAAAAAAAAAAAAAUAAAAAAAAAMDA/wAAAAAAZAAAADIAAAAAAAAAZAAAAAAAAAB/f38ACgAAACIAAAAYAAAAAAAAAAAAAAAAAAAAAAAAAAAAAAAAAAAAJAAAACQAAAAAAAAABwAAAAAAAAAAAAAAAAAAAAAAAAAAAAAAAAAAAH9/fwAlAAAAWAAAAAAAAAAAAAAAAAAAAAAAAAAAAAAAAAAAAAAAAAAAAAAAAAAAAAAAAAAAAAAAPwAAAAAAAACghgEAAAAAAAAAAAAAAAAADAAAAAEAAAAAAAAAAAAAAAAAAAAfAAAAVAAAAERyxAX///8BAAAAAAAAAAAAAAAAAAAAAAAAAAAAAAAAAAAAAAAAAAAAAAACf39/AOfm5gPMzMwAwMD/AH9/fwAAAAAAAAAAAAAAAAD///8AAAAAACEAAAAYAAAAFAAAAN4FAAAdFwAAlRcAAEMhAAAQAAAAJgAAAAgAAAD//////////zAAAAAUAAAAAAAAAAAA//8AAAEAAAD//wAAAQA="/>
+                <pr:smNativeData xmlns:mc="http://schemas.openxmlformats.org/markup-compatibility/2006" xmlns:p14="http://schemas.microsoft.com/office/powerpoint/2010/main" xmlns:p15="http://schemas.microsoft.com/office/powerpoint/2012/main" xmlns:pr="smNativeData" xmlns="smNativeData" val="SMDATA_18_xzE7ZxMAAAAlAAAAEQAAAC8BAAAAkAAAAEgAAACQAAAASAAAAAAAAAAAAAAAAAAAAAEAAABQAAAAAAAAAAAA4D8AAAAAAADgPwAAAAAAAOA/AAAAAAAA4D8AAAAAAADgPwAAAAAAAOA/AAAAAAAA4D8AAAAAAADgPwAAAAAAAOA/AAAAAAAA4D8CAAAAjAAAAAAAAAAAAAAARHLEDP///wgAAAAAAAAAAAAAAAAAAAAAAAAAAAAAAAAAAAAAZAAAAAEAAABAAAAAAAAAAAAAAAAAAAAAAAAAAAAAAAAAAAAAAAAAAAAAAAAAAAAAAAAAAAAAAAAAAAAAAAAAAAAAAAAAAAAAAAAAAAAAAAAAAAAAAAAAAAAAAAAAAAAAFAAAADwAAAAAAAAAAAAAAAAAAAkUAAAAAQAAABQAAAAUAAAAFAAAAAEAAAAAAAAAZAAAAGQAAAAAAAAAZAAAAGQAAAAVAAAAYAAAAAAAAAAAAAAADwAAACADAAAAAAAAAAAAAAEAAACgMgAAVgcAAKr4//8BAAAAf39/AAEAAABkAAAAAAAAABQAAABAHwAAAAAAACYAAAAAAAAAwOD//wAAAAAmAAAAZAAAABYAAABMAAAAAAAAAAAAAAAEAAAAAAAAAAEAAADn5uYKAAAAACgAAAAoAAAAZAAAAGQAAAAAAAAAzMzMAAAAAABQAAAAUAAAAGQAAABkAAAAAAAAAAcAAAA4AAAAAAAAAAAAAAAAAAAA////AAAAAAAAAAAAAAAAAAAAAAAAAAAAAAAAAAAAAABkAAAAZAAAAAAAAAAjAAAABAAAAGQAAAAXAAAAFAAAAAAAAAAAAAAA/38AAP9/AAAAAAAACQAAAAQAAAAAAAAAHgAAAGgAAAAAAAAAAAAAAAAAAAAAAAAAAAAAABAnAAAQJwAAAAAAAAAAAAAAAAAAAAAAAAAAAAAAAAAAAAAAAAAAAAAUAAAAAAAAAMDA/wAAAAAAZAAAADIAAAAAAAAAZAAAAAAAAAB/f38ACgAAACIAAAAYAAAAAAAAAAAAAAAAAAAAAAAAAAAAAAAAAAAAJAAAACQAAAAAAAAABwAAAAAAAAAAAAAAAAAAAAAAAAAAAAAAAAAAAH9/fwAlAAAAWAAAAAAAAAAAAAAAAAAAAAAAAAAAAAAAAAAAAAAAAAAAAAAAAAAAAAAAAAAAAAAAPwAAAAAAAACghgEAAAAAAAAAAAAAAAAADAAAAAEAAAAAAAAAAAAAAAAAAAAfAAAAVAAAAERyxAX///8BAAAAAAAAAAAAAAAAAAAAAAAAAAAAAAAAAAAAAAAAAAAAAAACf39/AOfm5gPMzMwAwMD/AH9/fwAAAAAAAAAAAAAAAAD///8AAAAAACEAAAAYAAAAFAAAAN4FAAAdFwAAlRcAAEMhAAAQAAAAJgAAAAgAAAD//////////zAAAAAUAAAAAAAAAAAA//8AAAEAAAD//wAAAQA="/>
               </a:ext>
             </a:extLst>
           </p:cNvPicPr>
@@ -5331,7 +5191,7 @@
         </p:blipFill>
         <p:spPr>
           <a:xfrm>
-            <a:off x="953770" y="3757295"/>
+            <a:off x="219710" y="4937125"/>
             <a:ext cx="2879725" cy="1649730"/>
           </a:xfrm>
           <a:prstGeom prst="rect">
@@ -5351,7 +5211,7 @@
             <a:picLocks noChangeAspect="1"/>
             <a:extLst>
               <a:ext uri="smNativeData">
-                <pr:smNativeData xmlns:pr="smNativeData" xmlns="smNativeData" val="SMDATA_18_xzE7ZxMAAAAlAAAAEQAAAC0AAAAAkAAAAEgAAACQAAAASAAAAAAAAAAAAAAAAAAAAAEAAABQAAAAAAAAAAAA4D8AAAAAAADgPwAAAAAAAOA/AAAAAAAA4D8AAAAAAADgPwAAAAAAAOA/AAAAAAAA4D8AAAAAAADgPwAAAAAAAOA/AAAAAAAA4D8CAAAAjAAAAAAAAAAAAAAA////AAAAAAAAAAAAAAAAAAAAAAAAAAAAAAAAAAAAAAAAAAAAZAAAAAEAAABAAAAAAAAAAAAAAAAAAAAAAAAAAAAAAAAAAAAAAAAAAAAAAAAAAAAAAAAAAAAAAAAAAAAAAAAAAAAAAAAAAAAAAAAAAAAAAAAAAAAAAAAAAAAAAAAAAAAAFAAAADwAAAAAAAAAAAAAAAAAAAAPAAAAAQAAACMAAAAjAAAAIwAAAB4AAAAAAAAAZAAAAGQAAAAAAAAAZAAAAGQAAAAVAAAAYAAAAAAAAAAAAAAADwAAACADAAAAAAAAAAAAAAEAAACgMgAAVgcAAKr4//8BAAAAf39/AAEAAABkAAAAAAAAABQAAABAHwAAAAAAACYAAAAAAAAAwOD//wAAAAAmAAAAZAAAABYAAABMAAAAAAAAAAAAAAAEAAAAAAAAAAEAAAB/f38AAAAAACgAAAAoAAAAZAAAAGQAAAAAAAAAzMzMAAAAAABQAAAAUAAAAGQAAABkAAAAAAAAAAcAAAA4AAAAAAAAAAAAAAAAAAAA////AAAAAAAAAAAAAAAAAAAAAAAAAAAAAAAAAAAAAABkAAAAZAAAAAAAAAAjAAAABAAAAGQAAAAXAAAAFAAAAAAAAAAAAAAA/38AAP9/AAAAAAAACQAAAAQAAAAAAAAAHgAAAGgAAAAAAAAAAAAAAAAAAAAAAAAAAAAAABAnAAAQJwAAAAAAAAAAAAAAAAAAAAAAAAAAAAAAAAAAAAAAAAAAAAAUAAAAAAAAAMDA/wAAAAAAZAAAADIAAAAAAAAAZAAAAAAAAAB/f38ACgAAACIAAAAYAAAAAAAAAAAAAAAAAAAAAAAAAAAAAAAAAAAAJAAAACQAAAAAAAAABwAAAAAAAAAAAAAAAAAAAAAAAAAAAAAAAAAAAH9/fwAlAAAAWAAAAAAAAAAAAAAAAAAAAAAAAAAAAAAAAAAAAAAAAAAAAAAAAAAAAAAAAAAAAAAAPwAAAAAAAACghgEAAAAAAAAAAAAAAAAADAAAAAEAAAAAAAAAAAAAAAAAAAAfAAAAVAAAAP///wAAAAAAAAAAAAAAAAAAAAAAAAAAAAAAAAAAAAAAAAAAAAAAAAAAAAAAf39/AH9/fwDMzMwAwMD/AH9/fwAAAAAAAAAAAAAAAAD///8AAAAAACEAAAAYAAAAFAAAANoFAACrAQAAbiYAALsPAAAQAAAAJgAAAAgAAAD//////////zAAAAAUAAAAAAAAAAAA//8AAAEAAAD//wAAAQA="/>
+                <pr:smNativeData xmlns:mc="http://schemas.openxmlformats.org/markup-compatibility/2006" xmlns:p14="http://schemas.microsoft.com/office/powerpoint/2010/main" xmlns:p15="http://schemas.microsoft.com/office/powerpoint/2012/main" xmlns:pr="smNativeData" xmlns="smNativeData" val="SMDATA_18_xzE7ZxMAAAAlAAAAEQAAAC0AAAAAkAAAAEgAAACQAAAASAAAAAAAAAAAAAAAAAAAAAEAAABQAAAAAAAAAAAA4D8AAAAAAADgPwAAAAAAAOA/AAAAAAAA4D8AAAAAAADgPwAAAAAAAOA/AAAAAAAA4D8AAAAAAADgPwAAAAAAAOA/AAAAAAAA4D8CAAAAjAAAAAAAAAAAAAAA////AAAAAAAAAAAAAAAAAAAAAAAAAAAAAAAAAAAAAAAAAAAAZAAAAAEAAABAAAAAAAAAAAAAAAAAAAAAAAAAAAAAAAAAAAAAAAAAAAAAAAAAAAAAAAAAAAAAAAAAAAAAAAAAAAAAAAAAAAAAAAAAAAAAAAAAAAAAAAAAAAAAAAAAAAAAFAAAADwAAAAAAAAAAAAAAAAAAAAPAAAAAQAAACMAAAAjAAAAIwAAAB4AAAAAAAAAZAAAAGQAAAAAAAAAZAAAAGQAAAAVAAAAYAAAAAAAAAAAAAAADwAAACADAAAAAAAAAAAAAAEAAACgMgAAVgcAAKr4//8BAAAAf39/AAEAAABkAAAAAAAAABQAAABAHwAAAAAAACYAAAAAAAAAwOD//wAAAAAmAAAAZAAAABYAAABMAAAAAAAAAAAAAAAEAAAAAAAAAAEAAAB/f38AAAAAACgAAAAoAAAAZAAAAGQAAAAAAAAAzMzMAAAAAABQAAAAUAAAAGQAAABkAAAAAAAAAAcAAAA4AAAAAAAAAAAAAAAAAAAA////AAAAAAAAAAAAAAAAAAAAAAAAAAAAAAAAAAAAAABkAAAAZAAAAAAAAAAjAAAABAAAAGQAAAAXAAAAFAAAAAAAAAAAAAAA/38AAP9/AAAAAAAACQAAAAQAAAAAAAAAHgAAAGgAAAAAAAAAAAAAAAAAAAAAAAAAAAAAABAnAAAQJwAAAAAAAAAAAAAAAAAAAAAAAAAAAAAAAAAAAAAAAAAAAAAUAAAAAAAAAMDA/wAAAAAAZAAAADIAAAAAAAAAZAAAAAAAAAB/f38ACgAAACIAAAAYAAAAAAAAAAAAAAAAAAAAAAAAAAAAAAAAAAAAJAAAACQAAAAAAAAABwAAAAAAAAAAAAAAAAAAAAAAAAAAAAAAAAAAAH9/fwAlAAAAWAAAAAAAAAAAAAAAAAAAAAAAAAAAAAAAAAAAAAAAAAAAAAAAAAAAAAAAAAAAAAAAPwAAAAAAAACghgEAAAAAAAAAAAAAAAAADAAAAAEAAAAAAAAAAAAAAAAAAAAfAAAAVAAAAP///wAAAAAAAAAAAAAAAAAAAAAAAAAAAAAAAAAAAAAAAAAAAAAAAAAAAAAAf39/AH9/fwDMzMwAwMD/AH9/fwAAAAAAAAAAAAAAAAD///8AAAAAACEAAAAYAAAAFAAAANoFAACrAQAAbiYAALsPAAAQAAAAJgAAAAgAAAD//////////zAAAAAUAAAAAAAAAAAA//8AAAEAAAD//wAAAQA="/>
               </a:ext>
             </a:extLst>
           </p:cNvPicPr>
@@ -5365,8 +5225,8 @@
         </p:blipFill>
         <p:spPr>
           <a:xfrm>
-            <a:off x="951230" y="271145"/>
-            <a:ext cx="5295900" cy="2286000"/>
+            <a:off x="451484" y="938190"/>
+            <a:ext cx="6031815" cy="2603661"/>
           </a:xfrm>
           <a:prstGeom prst="rect">
             <a:avLst/>
@@ -5385,7 +5245,7 @@
             <a:picLocks noChangeAspect="1"/>
             <a:extLst>
               <a:ext uri="smNativeData">
-                <pr:smNativeData xmlns:pr="smNativeData" xmlns="smNativeData" val="SMDATA_18_xzE7ZxMAAAAlAAAAEQAAAC0AAAAAkAAAAEgAAACQAAAASAAAAAAAAAAAAAAAAAAAAAEAAABQAAAAAAAAAAAA4D8AAAAAAADgPwAAAAAAAOA/AAAAAAAA4D8AAAAAAADgPwAAAAAAAOA/AAAAAAAA4D8AAAAAAADgPwAAAAAAAOA/AAAAAAAA4D8CAAAAjAAAAAAAAAAAAAAA////AAAAAAAAAAAAAAAAAAAAAAAAAAAAAAAAAAAAAAAAAAAAZAAAAAEAAABAAAAAAAAAAAAAAAAAAAAAAAAAAAAAAAAAAAAAAAAAAAAAAAAAAAAAAAAAAAAAAAAAAAAAAAAAAAAAAAAAAAAAAAAAAAAAAAAAAAAAAAAAAAAAAAAAAAAAFAAAADwAAAAAAAAAAAAAAAAAAAAUAAAAAQAAABQAAAAUAAAAFAAAAAEAAAAAAAAAZAAAAGQAAAAAAAAAZAAAAGQAAAAVAAAAYAAAAAAAAAAAAAAADwAAACADAAAAAAAAAAAAAAEAAACgMgAAVgcAAKr4//8BAAAAf39/AAEAAABkAAAAAAAAABQAAABAHwAAAAAAACYAAAAAAAAAwOD//wAAAAAmAAAAZAAAABYAAABMAAAAAAAAAAAAAAAEAAAAAAAAAAEAAAB/f38AAAAAACgAAAAoAAAAZAAAAGQAAAAAAAAAzMzMAAAAAABQAAAAUAAAAGQAAABkAAAAAAAAAAcAAAA4AAAAAAAAAAAAAAAAAAAA////AAAAAAAAAAAAAAAAAAAAAAAAAAAAAAAAAAAAAABkAAAAZAAAAAAAAAAjAAAABAAAAGQAAAAXAAAAFAAAAAAAAAAAAAAA/38AAP9/AAAAAAAACQAAAAQAAAAAAAAAHgAAAGgAAAAAAAAAAAAAAAAAAAAAAAAAAAAAABAnAAAQJwAAAAAAAAAAAAAAAAAAAAAAAAAAAAAAAAAAAAAAAAAAAAAUAAAAAAAAAMDA/wAAAAAAZAAAADIAAAAAAAAAZAAAAAAAAAB/f38ACgAAACIAAAAYAAAAAAAAAAAAAAAAAAAAAAAAAAAAAAAAAAAAJAAAACQAAAAAAAAABwAAAAAAAAAAAAAAAAAAAAAAAAAAAAAAAAAAAH9/fwAlAAAAWAAAAAAAAAAAAAAAAAAAAAAAAAAAAAAAAAAAAAAAAAAAAAAAAAAAAAAAAAAAAAAAPwAAAAAAAACghgEAAAAAAAAAAAAAAAAADAAAAAEAAAAAAAAAAAAAAAAAAAAfAAAAVAAAAP///wAAAAAAAAAAAAAAAAAAAAAAAAAAAAAAAAAAAAAAAAAAAAAAAAAAAAAAf39/AH9/fwDMzMwAwMD/AH9/fwAAAAAAAAAAAAAAAAD///8AAAAAACEAAAAYAAAAFAAAALYFAAAJEgAA6goAANgVAAAQAAAAJgAAAAgAAAD//////////zAAAAAUAAAAAAAAAAAA//8AAAEAAAD//wAAAQA="/>
+                <pr:smNativeData xmlns:mc="http://schemas.openxmlformats.org/markup-compatibility/2006" xmlns:p14="http://schemas.microsoft.com/office/powerpoint/2010/main" xmlns:p15="http://schemas.microsoft.com/office/powerpoint/2012/main" xmlns:pr="smNativeData" xmlns="smNativeData" val="SMDATA_18_xzE7ZxMAAAAlAAAAEQAAAC0AAAAAkAAAAEgAAACQAAAASAAAAAAAAAAAAAAAAAAAAAEAAABQAAAAAAAAAAAA4D8AAAAAAADgPwAAAAAAAOA/AAAAAAAA4D8AAAAAAADgPwAAAAAAAOA/AAAAAAAA4D8AAAAAAADgPwAAAAAAAOA/AAAAAAAA4D8CAAAAjAAAAAAAAAAAAAAA////AAAAAAAAAAAAAAAAAAAAAAAAAAAAAAAAAAAAAAAAAAAAZAAAAAEAAABAAAAAAAAAAAAAAAAAAAAAAAAAAAAAAAAAAAAAAAAAAAAAAAAAAAAAAAAAAAAAAAAAAAAAAAAAAAAAAAAAAAAAAAAAAAAAAAAAAAAAAAAAAAAAAAAAAAAAFAAAADwAAAAAAAAAAAAAAAAAAAAUAAAAAQAAABQAAAAUAAAAFAAAAAEAAAAAAAAAZAAAAGQAAAAAAAAAZAAAAGQAAAAVAAAAYAAAAAAAAAAAAAAADwAAACADAAAAAAAAAAAAAAEAAACgMgAAVgcAAKr4//8BAAAAf39/AAEAAABkAAAAAAAAABQAAABAHwAAAAAAACYAAAAAAAAAwOD//wAAAAAmAAAAZAAAABYAAABMAAAAAAAAAAAAAAAEAAAAAAAAAAEAAAB/f38AAAAAACgAAAAoAAAAZAAAAGQAAAAAAAAAzMzMAAAAAABQAAAAUAAAAGQAAABkAAAAAAAAAAcAAAA4AAAAAAAAAAAAAAAAAAAA////AAAAAAAAAAAAAAAAAAAAAAAAAAAAAAAAAAAAAABkAAAAZAAAAAAAAAAjAAAABAAAAGQAAAAXAAAAFAAAAAAAAAAAAAAA/38AAP9/AAAAAAAACQAAAAQAAAAAAAAAHgAAAGgAAAAAAAAAAAAAAAAAAAAAAAAAAAAAABAnAAAQJwAAAAAAAAAAAAAAAAAAAAAAAAAAAAAAAAAAAAAAAAAAAAAUAAAAAAAAAMDA/wAAAAAAZAAAADIAAAAAAAAAZAAAAAAAAAB/f38ACgAAACIAAAAYAAAAAAAAAAAAAAAAAAAAAAAAAAAAAAAAAAAAJAAAACQAAAAAAAAABwAAAAAAAAAAAAAAAAAAAAAAAAAAAAAAAAAAAH9/fwAlAAAAWAAAAAAAAAAAAAAAAAAAAAAAAAAAAAAAAAAAAAAAAAAAAAAAAAAAAAAAAAAAAAAAPwAAAAAAAACghgEAAAAAAAAAAAAAAAAADAAAAAEAAAAAAAAAAAAAAAAAAAAfAAAAVAAAAP///wAAAAAAAAAAAAAAAAAAAAAAAAAAAAAAAAAAAAAAAAAAAAAAAAAAAAAAf39/AH9/fwDMzMwAwMD/AH9/fwAAAAAAAAAAAAAAAAD///8AAAAAACEAAAAYAAAAFAAAALYFAAAJEgAA6goAANgVAAAQAAAAJgAAAAgAAAD//////////zAAAAAUAAAAAAAAAAAA//8AAAEAAAD//wAAAQA="/>
               </a:ext>
             </a:extLst>
           </p:cNvPicPr>
@@ -5399,8 +5259,8 @@
         </p:blipFill>
         <p:spPr>
           <a:xfrm>
-            <a:off x="928370" y="2931795"/>
-            <a:ext cx="845820" cy="619125"/>
+            <a:off x="250137" y="3893149"/>
+            <a:ext cx="1402186" cy="1026373"/>
           </a:xfrm>
           <a:prstGeom prst="rect">
             <a:avLst/>
@@ -5419,7 +5279,7 @@
             <a:picLocks noChangeAspect="1"/>
             <a:extLst>
               <a:ext uri="smNativeData">
-                <pr:smNativeData xmlns:pr="smNativeData" xmlns="smNativeData" val="SMDATA_18_xzE7ZxMAAAAlAAAAEQAAAC0AAAAAkAAAAEgAAACQAAAASAAAAAAAAAAAAAAAAAAAAAEAAABQAAAAAAAAAAAA4D8AAAAAAADgPwAAAAAAAOA/AAAAAAAA4D8AAAAAAADgPwAAAAAAAOA/AAAAAAAA4D8AAAAAAADgPwAAAAAAAOA/AAAAAAAA4D8CAAAAjAAAAAAAAAAAAAAA////AAAAAAAAAAAAAAAAAAAAAAAAAAAAAAAAAAAAAAAAAAAAZAAAAAEAAABAAAAAAAAAAAAAAAAAAAAAAAAAAAAAAAAAAAAAAAAAAAAAAAAAAAAAAAAAAAAAAAAAAAAAAAAAAAAAAAAAAAAAAAAAAAAAAAAAAAAAAAAAAAAAAAAAAAAAFAAAADwAAAAAAAAAAAAAAAAAAAAUAAAAAQAAABQAAAAUAAAAFAAAAAEAAAAAAAAAZAAAAGQAAAAAAAAAZAAAAGQAAAAVAAAAYAAAAAAAAAAAAAAADwAAACADAAAAAAAAAAAAAAEAAACgMgAAVgcAAKr4//8BAAAAf39/AAEAAABkAAAAAAAAABQAAABAHwAAAAAAACYAAAAAAAAAwOD//wAAAAAmAAAAZAAAABYAAABMAAAAAAAAAAAAAAAEAAAAAAAAAAEAAAB/f38AAAAAACgAAAAoAAAAZAAAAGQAAAAAAAAAzMzMAAAAAABQAAAAUAAAAGQAAABkAAAAAAAAAAcAAAA4AAAAAAAAAAAAAAAAAAAA////AAAAAAAAAAAAAAAAAAAAAAAAAAAAAAAAAAAAAABkAAAAZAAAAAAAAAAjAAAABAAAAGQAAAAXAAAAFAAAAAAAAAAAAAAA/38AAP9/AAAAAAAACQAAAAQAAAAAAAAAHgAAAGgAAAAAAAAAAAAAAAAAAAAAAAAAAAAAABAnAAAQJwAAAAAAAAAAAAAAAAAAAAAAAAAAAAAAAAAAAAAAAAAAAAAUAAAAAAAAAMDA/wAAAAAAZAAAADIAAAAAAAAAZAAAAAAAAAB/f38ACgAAACIAAAAYAAAAAAAAAAAAAAAAAAAAAAAAAAAAAAAAAAAAJAAAACQAAAAAAAAABwAAAAAAAAAAAAAAAAAAAAAAAAAAAAAAAAAAAH9/fwAlAAAAWAAAAAAAAAAAAAAAAAAAAAAAAAAAAAAAAAAAAAAAAAAAAAAAAAAAAAAAAAAAAAAAPwAAAAAAAACghgEAAAAAAAAAAAAAAAAADAAAAAEAAAAAAAAAAAAAAAAAAAAfAAAAVAAAAP///wAAAAAAAAAAAAAAAAAAAAAAAAAAAAAAAAAAAAAAAAAAAAAAAAAAAAAAf39/AH9/fwDMzMwAwMD/AH9/fwAAAAAAAAAAAAAAAAD///8AAAAAACEAAAAYAAAAFAAAAFALAAD1EQAAfQ8AAHUVAAAQAAAAJgAAAAgAAAD//////////zAAAAAUAAAAAAAAAAAA//8AAAEAAAD//wAAAQA="/>
+                <pr:smNativeData xmlns:mc="http://schemas.openxmlformats.org/markup-compatibility/2006" xmlns:p14="http://schemas.microsoft.com/office/powerpoint/2010/main" xmlns:p15="http://schemas.microsoft.com/office/powerpoint/2012/main" xmlns:pr="smNativeData" xmlns="smNativeData" val="SMDATA_18_xzE7ZxMAAAAlAAAAEQAAAC0AAAAAkAAAAEgAAACQAAAASAAAAAAAAAAAAAAAAAAAAAEAAABQAAAAAAAAAAAA4D8AAAAAAADgPwAAAAAAAOA/AAAAAAAA4D8AAAAAAADgPwAAAAAAAOA/AAAAAAAA4D8AAAAAAADgPwAAAAAAAOA/AAAAAAAA4D8CAAAAjAAAAAAAAAAAAAAA////AAAAAAAAAAAAAAAAAAAAAAAAAAAAAAAAAAAAAAAAAAAAZAAAAAEAAABAAAAAAAAAAAAAAAAAAAAAAAAAAAAAAAAAAAAAAAAAAAAAAAAAAAAAAAAAAAAAAAAAAAAAAAAAAAAAAAAAAAAAAAAAAAAAAAAAAAAAAAAAAAAAAAAAAAAAFAAAADwAAAAAAAAAAAAAAAAAAAAUAAAAAQAAABQAAAAUAAAAFAAAAAEAAAAAAAAAZAAAAGQAAAAAAAAAZAAAAGQAAAAVAAAAYAAAAAAAAAAAAAAADwAAACADAAAAAAAAAAAAAAEAAACgMgAAVgcAAKr4//8BAAAAf39/AAEAAABkAAAAAAAAABQAAABAHwAAAAAAACYAAAAAAAAAwOD//wAAAAAmAAAAZAAAABYAAABMAAAAAAAAAAAAAAAEAAAAAAAAAAEAAAB/f38AAAAAACgAAAAoAAAAZAAAAGQAAAAAAAAAzMzMAAAAAABQAAAAUAAAAGQAAABkAAAAAAAAAAcAAAA4AAAAAAAAAAAAAAAAAAAA////AAAAAAAAAAAAAAAAAAAAAAAAAAAAAAAAAAAAAABkAAAAZAAAAAAAAAAjAAAABAAAAGQAAAAXAAAAFAAAAAAAAAAAAAAA/38AAP9/AAAAAAAACQAAAAQAAAAAAAAAHgAAAGgAAAAAAAAAAAAAAAAAAAAAAAAAAAAAABAnAAAQJwAAAAAAAAAAAAAAAAAAAAAAAAAAAAAAAAAAAAAAAAAAAAAUAAAAAAAAAMDA/wAAAAAAZAAAADIAAAAAAAAAZAAAAAAAAAB/f38ACgAAACIAAAAYAAAAAAAAAAAAAAAAAAAAAAAAAAAAAAAAAAAAJAAAACQAAAAAAAAABwAAAAAAAAAAAAAAAAAAAAAAAAAAAAAAAAAAAH9/fwAlAAAAWAAAAAAAAAAAAAAAAAAAAAAAAAAAAAAAAAAAAAAAAAAAAAAAAAAAAAAAAAAAAAAAPwAAAAAAAACghgEAAAAAAAAAAAAAAAAADAAAAAEAAAAAAAAAAAAAAAAAAAAfAAAAVAAAAP///wAAAAAAAAAAAAAAAAAAAAAAAAAAAAAAAAAAAAAAAAAAAAAAAAAAAAAAf39/AH9/fwDMzMwAwMD/AH9/fwAAAAAAAAAAAAAAAAD///8AAAAAACEAAAAYAAAAFAAAAFALAAD1EQAAfQ8AAHUVAAAQAAAAJgAAAAgAAAD//////////zAAAAAUAAAAAAAAAAAA//8AAAEAAAD//wAAAQA="/>
               </a:ext>
             </a:extLst>
           </p:cNvPicPr>
@@ -5433,8 +5293,8 @@
         </p:blipFill>
         <p:spPr>
           <a:xfrm>
-            <a:off x="1838960" y="2919095"/>
-            <a:ext cx="678815" cy="568960"/>
+            <a:off x="1315178" y="3925001"/>
+            <a:ext cx="1125330" cy="943212"/>
           </a:xfrm>
           <a:prstGeom prst="rect">
             <a:avLst/>
@@ -5453,7 +5313,7 @@
             <a:picLocks noChangeAspect="1"/>
             <a:extLst>
               <a:ext uri="smNativeData">
-                <pr:smNativeData xmlns:pr="smNativeData" xmlns="smNativeData" val="SMDATA_18_xzE7ZxMAAAAlAAAAEQAAAC0AAAAAkAAAAEgAAACQAAAASAAAAAAAAAAAAAAAAAAAAAEAAABQAAAAAAAAAAAA4D8AAAAAAADgPwAAAAAAAOA/AAAAAAAA4D8AAAAAAADgPwAAAAAAAOA/AAAAAAAA4D8AAAAAAADgPwAAAAAAAOA/AAAAAAAA4D8CAAAAjAAAAAAAAAAAAAAA////AAAAAAAAAAAAAAAAAAAAAAAAAAAAAAAAAAAAAAAAAAAAZAAAAAEAAABAAAAAAAAAAAAAAAAAAAAAAAAAAAAAAAAAAAAAAAAAAAAAAAAAAAAAAAAAAAAAAAAAAAAAAAAAAAAAAAAAAAAAAAAAAAAAAAAAAAAAAAAAAAAAAAAAAAAAFAAAADwAAAAAAAAAAAAAAAAAAAAUAAAAAQAAABQAAAAUAAAAFAAAAAEAAAAAAAAAZAAAAGQAAAAAAAAAZAAAAGQAAAAVAAAAYAAAAAAAAAAAAAAADwAAACADAAAAAAAAAAAAAAEAAACgMgAAVgcAAKr4//8BAAAAf39/AAEAAABkAAAAAAAAABQAAABAHwAAAAAAACYAAAAAAAAAwOD//wAAAAAmAAAAZAAAABYAAABMAAAAAAAAAAAAAAAEAAAAAAAAAAEAAAB/f38AAAAAACgAAAAoAAAAZAAAAGQAAAAAAAAAzMzMAAAAAABQAAAAUAAAAGQAAABkAAAAAAAAAAcAAAA4AAAAAAAAAAAAAAAAAAAA////AAAAAAAAAAAAAAAAAAAAAAAAAAAAAAAAAAAAAABkAAAAZAAAAAAAAAAjAAAABAAAAGQAAAAXAAAAFAAAAAAAAAAAAAAA/38AAP9/AAAAAAAACQAAAAQAAAAAAAAAHgAAAGgAAAAAAAAAAAAAAAAAAAAAAAAAAAAAABAnAAAQJwAAAAAAAAAAAAAAAAAAAAAAAAAAAAAAAAAAAAAAAAAAAAAUAAAAAAAAAMDA/wAAAAAAZAAAADIAAAAAAAAAZAAAAAAAAAB/f38ACgAAACIAAAAYAAAAAAAAAAAAAAAAAAAAAAAAAAAAAAAAAAAAJAAAACQAAAAAAAAABwAAAAAAAAAAAAAAAAAAAAAAAAAAAAAAAAAAAH9/fwAlAAAAWAAAAAAAAAAAAAAAAAAAAAAAAAAAAAAAAAAAAAAAAAAAAAAAAAAAAAAAAAAAAAAAPwAAAAAAAACghgEAAAAAAAAAAAAAAAAADAAAAAEAAAAAAAAAAAAAAAAAAAAfAAAAVAAAAP///wAAAAAAAAAAAAAAAAAAAAAAAAAAAAAAAAAAAAAAAAAAAAAAAAAAAAAAf39/AH9/fwDMzMwAwMD/AH9/fwAAAAAAAAAAAAAAAAD///8AAAAAACEAAAAYAAAAFAAAACYQAADpEAAA/BUAAIEVAAAQAAAAJgAAAAgAAAD//////////zAAAAAUAAAAAAAAAAAA//8AAAEAAAD//wAAAQA="/>
+                <pr:smNativeData xmlns:mc="http://schemas.openxmlformats.org/markup-compatibility/2006" xmlns:p14="http://schemas.microsoft.com/office/powerpoint/2010/main" xmlns:p15="http://schemas.microsoft.com/office/powerpoint/2012/main" xmlns:pr="smNativeData" xmlns="smNativeData" val="SMDATA_18_xzE7ZxMAAAAlAAAAEQAAAC0AAAAAkAAAAEgAAACQAAAASAAAAAAAAAAAAAAAAAAAAAEAAABQAAAAAAAAAAAA4D8AAAAAAADgPwAAAAAAAOA/AAAAAAAA4D8AAAAAAADgPwAAAAAAAOA/AAAAAAAA4D8AAAAAAADgPwAAAAAAAOA/AAAAAAAA4D8CAAAAjAAAAAAAAAAAAAAA////AAAAAAAAAAAAAAAAAAAAAAAAAAAAAAAAAAAAAAAAAAAAZAAAAAEAAABAAAAAAAAAAAAAAAAAAAAAAAAAAAAAAAAAAAAAAAAAAAAAAAAAAAAAAAAAAAAAAAAAAAAAAAAAAAAAAAAAAAAAAAAAAAAAAAAAAAAAAAAAAAAAAAAAAAAAFAAAADwAAAAAAAAAAAAAAAAAAAAUAAAAAQAAABQAAAAUAAAAFAAAAAEAAAAAAAAAZAAAAGQAAAAAAAAAZAAAAGQAAAAVAAAAYAAAAAAAAAAAAAAADwAAACADAAAAAAAAAAAAAAEAAACgMgAAVgcAAKr4//8BAAAAf39/AAEAAABkAAAAAAAAABQAAABAHwAAAAAAACYAAAAAAAAAwOD//wAAAAAmAAAAZAAAABYAAABMAAAAAAAAAAAAAAAEAAAAAAAAAAEAAAB/f38AAAAAACgAAAAoAAAAZAAAAGQAAAAAAAAAzMzMAAAAAABQAAAAUAAAAGQAAABkAAAAAAAAAAcAAAA4AAAAAAAAAAAAAAAAAAAA////AAAAAAAAAAAAAAAAAAAAAAAAAAAAAAAAAAAAAABkAAAAZAAAAAAAAAAjAAAABAAAAGQAAAAXAAAAFAAAAAAAAAAAAAAA/38AAP9/AAAAAAAACQAAAAQAAAAAAAAAHgAAAGgAAAAAAAAAAAAAAAAAAAAAAAAAAAAAABAnAAAQJwAAAAAAAAAAAAAAAAAAAAAAAAAAAAAAAAAAAAAAAAAAAAAUAAAAAAAAAMDA/wAAAAAAZAAAADIAAAAAAAAAZAAAAAAAAAB/f38ACgAAACIAAAAYAAAAAAAAAAAAAAAAAAAAAAAAAAAAAAAAAAAAJAAAACQAAAAAAAAABwAAAAAAAAAAAAAAAAAAAAAAAAAAAAAAAAAAAH9/fwAlAAAAWAAAAAAAAAAAAAAAAAAAAAAAAAAAAAAAAAAAAAAAAAAAAAAAAAAAAAAAAAAAAAAAPwAAAAAAAACghgEAAAAAAAAAAAAAAAAADAAAAAEAAAAAAAAAAAAAAAAAAAAfAAAAVAAAAP///wAAAAAAAAAAAAAAAAAAAAAAAAAAAAAAAAAAAAAAAAAAAAAAAAAAAAAAf39/AH9/fwDMzMwAwMD/AH9/fwAAAAAAAAAAAAAAAAD///8AAAAAACEAAAAYAAAAFAAAACYQAADpEAAA/BUAAIEVAAAQAAAAJgAAAAgAAAD//////////zAAAAAUAAAAAAAAAAAA//8AAAEAAAD//wAAAQA="/>
               </a:ext>
             </a:extLst>
           </p:cNvPicPr>
@@ -5467,8 +5327,8 @@
         </p:blipFill>
         <p:spPr>
           <a:xfrm>
-            <a:off x="2625090" y="2748915"/>
-            <a:ext cx="948690" cy="746760"/>
+            <a:off x="2183130" y="3809757"/>
+            <a:ext cx="1267228" cy="997496"/>
           </a:xfrm>
           <a:prstGeom prst="rect">
             <a:avLst/>
@@ -5487,7 +5347,7 @@
             <a:picLocks noChangeAspect="1"/>
             <a:extLst>
               <a:ext uri="smNativeData">
-                <pr:smNativeData xmlns:pr="smNativeData" xmlns="smNativeData" val="SMDATA_18_xzE7ZxMAAAAlAAAAEQAAAC0AAAAAkAAAAEgAAACQAAAASAAAAAAAAAAAAAAAAAAAAAEAAABQAAAAAAAAAAAA4D8AAAAAAADgPwAAAAAAAOA/AAAAAAAA4D8AAAAAAADgPwAAAAAAAOA/AAAAAAAA4D8AAAAAAADgPwAAAAAAAOA/AAAAAAAA4D8CAAAAjAAAAAAAAAAAAAAA////AAAAAAAAAAAAAAAAAAAAAAAAAAAAAAAAAAAAAAAAAAAAZAAAAAEAAABAAAAAAAAAAAAAAAAAAAAAAAAAAAAAAAAAAAAAAAAAAAAAAAAAAAAAAAAAAAAAAAAAAAAAAAAAAAAAAAAAAAAAAAAAAAAAAAAAAAAAAAAAAAAAAAAAAAAAFAAAADwAAAAAAAAAAAAAAAAAAAAUAAAAAQAAABQAAAAUAAAAFAAAAAEAAAAAAAAAZAAAAGQAAAAAAAAAZAAAAGQAAAAVAAAAYAAAAAAAAAAAAAAADwAAACADAAAAAAAAAAAAAAEAAACgMgAAVgcAAKr4//8BAAAAf39/AAEAAABkAAAAAAAAABQAAABAHwAAAAAAACYAAAAAAAAAwOD//wAAAAAmAAAAZAAAABYAAABMAAAAAAAAAAAAAAAEAAAAAAAAAAEAAAB/f38AAAAAACgAAAAoAAAAZAAAAGQAAAAAAAAAzMzMAAAAAABQAAAAUAAAAGQAAABkAAAAAAAAAAcAAAA4AAAAAAAAAAAAAAAAAAAA////AAAAAAAAAAAAAAAAAAAAAAAAAAAAAAAAAAAAAABkAAAAZAAAAAAAAAAjAAAABAAAAGQAAAAXAAAAFAAAAAAAAAAAAAAA/38AAP9/AAAAAAAACQAAAAQAAAAAAAAAHgAAAGgAAAAAAAAAAAAAAAAAAAAAAAAAAAAAABAnAAAQJwAAAAAAAAAAAAAAAAAAAAAAAAAAAAAAAAAAAAAAAAAAAAAUAAAAAAAAAMDA/wAAAAAAZAAAADIAAAAAAAAAZAAAAAAAAAB/f38ACgAAACIAAAAYAAAAAAAAAAAAAAAAAAAAAAAAAAAAAAAAAAAAJAAAACQAAAAAAAAABwAAAAAAAAAAAAAAAAAAAAAAAAAAAAAAAAAAAH9/fwAlAAAAWAAAAAAAAAAAAAAAAAAAAAAAAAAAAAAAAAAAAAAAAAAAAAAAAAAAAAAAAAAAAAAAPwAAAAAAAACghgEAAAAAAAAAAAAAAAAADAAAAAEAAAAAAAAAAAAAAAAAAAAfAAAAVAAAAP///wAAAAAAAAAAAAAAAAAAAAAAAAAAAAAAAAAAAAAAAAAAAAAAAAAAAAAAf39/AH9/fwDMzMwAwMD/AH9/fwAAAAAAAAAAAAAAAAD///8AAAAAACEAAAAYAAAAFAAAABcWAACxEAAAMxsAAFIVAAAQAAAAJgAAAAgAAAD//////////zAAAAAUAAAAAAAAAAAA//8AAAEAAAD//wAAAQA="/>
+                <pr:smNativeData xmlns:mc="http://schemas.openxmlformats.org/markup-compatibility/2006" xmlns:p14="http://schemas.microsoft.com/office/powerpoint/2010/main" xmlns:p15="http://schemas.microsoft.com/office/powerpoint/2012/main" xmlns:pr="smNativeData" xmlns="smNativeData" val="SMDATA_18_xzE7ZxMAAAAlAAAAEQAAAC0AAAAAkAAAAEgAAACQAAAASAAAAAAAAAAAAAAAAAAAAAEAAABQAAAAAAAAAAAA4D8AAAAAAADgPwAAAAAAAOA/AAAAAAAA4D8AAAAAAADgPwAAAAAAAOA/AAAAAAAA4D8AAAAAAADgPwAAAAAAAOA/AAAAAAAA4D8CAAAAjAAAAAAAAAAAAAAA////AAAAAAAAAAAAAAAAAAAAAAAAAAAAAAAAAAAAAAAAAAAAZAAAAAEAAABAAAAAAAAAAAAAAAAAAAAAAAAAAAAAAAAAAAAAAAAAAAAAAAAAAAAAAAAAAAAAAAAAAAAAAAAAAAAAAAAAAAAAAAAAAAAAAAAAAAAAAAAAAAAAAAAAAAAAFAAAADwAAAAAAAAAAAAAAAAAAAAUAAAAAQAAABQAAAAUAAAAFAAAAAEAAAAAAAAAZAAAAGQAAAAAAAAAZAAAAGQAAAAVAAAAYAAAAAAAAAAAAAAADwAAACADAAAAAAAAAAAAAAEAAACgMgAAVgcAAKr4//8BAAAAf39/AAEAAABkAAAAAAAAABQAAABAHwAAAAAAACYAAAAAAAAAwOD//wAAAAAmAAAAZAAAABYAAABMAAAAAAAAAAAAAAAEAAAAAAAAAAEAAAB/f38AAAAAACgAAAAoAAAAZAAAAGQAAAAAAAAAzMzMAAAAAABQAAAAUAAAAGQAAABkAAAAAAAAAAcAAAA4AAAAAAAAAAAAAAAAAAAA////AAAAAAAAAAAAAAAAAAAAAAAAAAAAAAAAAAAAAABkAAAAZAAAAAAAAAAjAAAABAAAAGQAAAAXAAAAFAAAAAAAAAAAAAAA/38AAP9/AAAAAAAACQAAAAQAAAAAAAAAHgAAAGgAAAAAAAAAAAAAAAAAAAAAAAAAAAAAABAnAAAQJwAAAAAAAAAAAAAAAAAAAAAAAAAAAAAAAAAAAAAAAAAAAAAUAAAAAAAAAMDA/wAAAAAAZAAAADIAAAAAAAAAZAAAAAAAAAB/f38ACgAAACIAAAAYAAAAAAAAAAAAAAAAAAAAAAAAAAAAAAAAAAAAJAAAACQAAAAAAAAABwAAAAAAAAAAAAAAAAAAAAAAAAAAAAAAAAAAAH9/fwAlAAAAWAAAAAAAAAAAAAAAAAAAAAAAAAAAAAAAAAAAAAAAAAAAAAAAAAAAAAAAAAAAAAAAPwAAAAAAAACghgEAAAAAAAAAAAAAAAAADAAAAAEAAAAAAAAAAAAAAAAAAAAfAAAAVAAAAP///wAAAAAAAAAAAAAAAAAAAAAAAAAAAAAAAAAAAAAAAAAAAAAAAAAAAAAAf39/AH9/fwDMzMwAwMD/AH9/fwAAAAAAAAAAAAAAAAD///8AAAAAACEAAAAYAAAAFAAAABcWAACxEAAAMxsAAFIVAAAQAAAAJgAAAAgAAAD//////////zAAAAAUAAAAAAAAAAAA//8AAAEAAAD//wAAAQA="/>
               </a:ext>
             </a:extLst>
           </p:cNvPicPr>
@@ -5501,8 +5361,8 @@
         </p:blipFill>
         <p:spPr>
           <a:xfrm>
-            <a:off x="3590925" y="2713355"/>
-            <a:ext cx="830580" cy="752475"/>
+            <a:off x="3209845" y="3753166"/>
+            <a:ext cx="1109461" cy="1005131"/>
           </a:xfrm>
           <a:prstGeom prst="rect">
             <a:avLst/>
@@ -5521,7 +5381,7 @@
             <a:picLocks noChangeAspect="1"/>
             <a:extLst>
               <a:ext uri="smNativeData">
-                <pr:smNativeData xmlns:pr="smNativeData" xmlns="smNativeData" val="SMDATA_18_xzE7ZxMAAAAlAAAAEQAAAC0AAAAAkAAAAEgAAACQAAAASAAAAAAAAAAAAAAAAAAAAAEAAABQAAAAAAAAAAAA4D8AAAAAAADgPwAAAAAAAOA/AAAAAAAA4D8AAAAAAADgPwAAAAAAAOA/AAAAAAAA4D8AAAAAAADgPwAAAAAAAOA/AAAAAAAA4D8CAAAAjAAAAAAAAAAAAAAA////AAAAAAAAAAAAAAAAAAAAAAAAAAAAAAAAAAAAAAAAAAAAZAAAAAEAAABAAAAAAAAAAAAAAAAAAAAAAAAAAAAAAAAAAAAAAAAAAAAAAAAAAAAAAAAAAAAAAAAAAAAAAAAAAAAAAAAAAAAAAAAAAAAAAAAAAAAAAAAAAAAAAAAAAAAAFAAAADwAAAAAAAAAAAAAAAAAAAAUAAAAAQAAABQAAAAUAAAAFAAAAAEAAAAAAAAAZAAAAGQAAAAAAAAAZAAAAGQAAAAVAAAAYAAAAAAAAAAAAAAADwAAACADAAAAAAAAAAAAAAEAAACgMgAAVgcAAKr4//8BAAAAf39/AAEAAABkAAAAAAAAABQAAABAHwAAAAAAACYAAAAAAAAAwOD//wAAAAAmAAAAZAAAABYAAABMAAAAAAAAAAAAAAAEAAAAAAAAAAEAAAB/f38AAAAAACgAAAAoAAAAZAAAAGQAAAAAAAAAzMzMAAAAAABQAAAAUAAAAGQAAABkAAAAAAAAAAcAAAA4AAAAAAAAAAAAAAAAAAAA////AAAAAAAAAAAAAAAAAAAAAAAAAAAAAAAAAAAAAABkAAAAZAAAAAAAAAAjAAAABAAAAGQAAAAXAAAAFAAAAAAAAAAAAAAA/38AAP9/AAAAAAAACQAAAAQAAAAAAAAAHgAAAGgAAAAAAAAAAAAAAAAAAAAAAAAAAAAAABAnAAAQJwAAAAAAAAAAAAAAAAAAAAAAAAAAAAAAAAAAAAAAAAAAAAAUAAAAAAAAAMDA/wAAAAAAZAAAADIAAAAAAAAAZAAAAAAAAAB/f38ACgAAACIAAAAYAAAAAAAAAAAAAAAAAAAAAAAAAAAAAAAAAAAAJAAAACQAAAAAAAAABwAAAAAAAAAAAAAAAAAAAAAAAAAAAAAAAAAAAH9/fwAlAAAAWAAAAAAAAAAAAAAAAAAAAAAAAAAAAAAAAAAAAAAAAAAAAAAAAAAAAAAAAAAAAAAAPwAAAAAAAACghgEAAAAAAAAAAAAAAAAADAAAAAEAAAAAAAAAAAAAAAAAAAAfAAAAVAAAAP///wAAAAAAAAAAAAAAAAAAAAAAAAAAAAAAAAAAAAAAAAAAAAAAAAAAAAAAf39/AH9/fwDMzMwAwMD/AH9/fwAAAAAAAAAAAAAAAAD///8AAAAAACEAAAAYAAAAFAAAAAsbAACJEQAAFyAAADsVAAAQAAAAJgAAAAgAAAD//////////zAAAAAUAAAAAAAAAAAA//8AAAEAAAD//wAAAQA="/>
+                <pr:smNativeData xmlns:mc="http://schemas.openxmlformats.org/markup-compatibility/2006" xmlns:p14="http://schemas.microsoft.com/office/powerpoint/2010/main" xmlns:p15="http://schemas.microsoft.com/office/powerpoint/2012/main" xmlns:pr="smNativeData" xmlns="smNativeData" val="SMDATA_18_xzE7ZxMAAAAlAAAAEQAAAC0AAAAAkAAAAEgAAACQAAAASAAAAAAAAAAAAAAAAAAAAAEAAABQAAAAAAAAAAAA4D8AAAAAAADgPwAAAAAAAOA/AAAAAAAA4D8AAAAAAADgPwAAAAAAAOA/AAAAAAAA4D8AAAAAAADgPwAAAAAAAOA/AAAAAAAA4D8CAAAAjAAAAAAAAAAAAAAA////AAAAAAAAAAAAAAAAAAAAAAAAAAAAAAAAAAAAAAAAAAAAZAAAAAEAAABAAAAAAAAAAAAAAAAAAAAAAAAAAAAAAAAAAAAAAAAAAAAAAAAAAAAAAAAAAAAAAAAAAAAAAAAAAAAAAAAAAAAAAAAAAAAAAAAAAAAAAAAAAAAAAAAAAAAAFAAAADwAAAAAAAAAAAAAAAAAAAAUAAAAAQAAABQAAAAUAAAAFAAAAAEAAAAAAAAAZAAAAGQAAAAAAAAAZAAAAGQAAAAVAAAAYAAAAAAAAAAAAAAADwAAACADAAAAAAAAAAAAAAEAAACgMgAAVgcAAKr4//8BAAAAf39/AAEAAABkAAAAAAAAABQAAABAHwAAAAAAACYAAAAAAAAAwOD//wAAAAAmAAAAZAAAABYAAABMAAAAAAAAAAAAAAAEAAAAAAAAAAEAAAB/f38AAAAAACgAAAAoAAAAZAAAAGQAAAAAAAAAzMzMAAAAAABQAAAAUAAAAGQAAABkAAAAAAAAAAcAAAA4AAAAAAAAAAAAAAAAAAAA////AAAAAAAAAAAAAAAAAAAAAAAAAAAAAAAAAAAAAABkAAAAZAAAAAAAAAAjAAAABAAAAGQAAAAXAAAAFAAAAAAAAAAAAAAA/38AAP9/AAAAAAAACQAAAAQAAAAAAAAAHgAAAGgAAAAAAAAAAAAAAAAAAAAAAAAAAAAAABAnAAAQJwAAAAAAAAAAAAAAAAAAAAAAAAAAAAAAAAAAAAAAAAAAAAAUAAAAAAAAAMDA/wAAAAAAZAAAADIAAAAAAAAAZAAAAAAAAAB/f38ACgAAACIAAAAYAAAAAAAAAAAAAAAAAAAAAAAAAAAAAAAAAAAAJAAAACQAAAAAAAAABwAAAAAAAAAAAAAAAAAAAAAAAAAAAAAAAAAAAH9/fwAlAAAAWAAAAAAAAAAAAAAAAAAAAAAAAAAAAAAAAAAAAAAAAAAAAAAAAAAAAAAAAAAAAAAAPwAAAAAAAACghgEAAAAAAAAAAAAAAAAADAAAAAEAAAAAAAAAAAAAAAAAAAAfAAAAVAAAAP///wAAAAAAAAAAAAAAAAAAAAAAAAAAAAAAAAAAAAAAAAAAAAAAAAAAAAAAf39/AH9/fwDMzMwAwMD/AH9/fwAAAAAAAAAAAAAAAAD///8AAAAAACEAAAAYAAAAFAAAAAsbAACJEQAAFyAAADsVAAAQAAAAJgAAAAgAAAD//////////zAAAAAUAAAAAAAAAAAA//8AAAEAAAD//wAAAQA="/>
               </a:ext>
             </a:extLst>
           </p:cNvPicPr>
@@ -5535,8 +5395,8 @@
         </p:blipFill>
         <p:spPr>
           <a:xfrm>
-            <a:off x="4396105" y="2850515"/>
-            <a:ext cx="820420" cy="600710"/>
+            <a:off x="4258426" y="3975001"/>
+            <a:ext cx="1095889" cy="802407"/>
           </a:xfrm>
           <a:prstGeom prst="rect">
             <a:avLst/>
@@ -5555,7 +5415,7 @@
             <a:picLocks noChangeAspect="1"/>
             <a:extLst>
               <a:ext uri="smNativeData">
-                <pr:smNativeData xmlns:pr="smNativeData" xmlns="smNativeData" val="SMDATA_18_xzE7ZxMAAAAlAAAAEQAAAC0AAAAAkAAAAEgAAACQAAAASAAAAAAAAAAAAAAAAAAAAAEAAABQAAAAAAAAAAAA4D8AAAAAAADgPwAAAAAAAOA/AAAAAAAA4D8AAAAAAADgPwAAAAAAAOA/AAAAAAAA4D8AAAAAAADgPwAAAAAAAOA/AAAAAAAA4D8CAAAAjAAAAAAAAAAAAAAA////AAAAAAAAAAAAAAAAAAAAAAAAAAAAAAAAAAAAAAAAAAAAZAAAAAEAAABAAAAAAAAAAAAAAAAAAAAAAAAAAAAAAAAAAAAAAAAAAAAAAAAAAAAAAAAAAAAAAAAAAAAAAAAAAAAAAAAAAAAAAAAAAAAAAAAAAAAAAAAAAAAAAAAAAAAAFAAAADwAAAAAAAAAAAAAAAAAAAAUAAAAAQAAABQAAAAUAAAAFAAAAAEAAAAAAAAAZAAAAGQAAAAAAAAAZAAAAGQAAAAVAAAAYAAAAAAAAAAAAAAADwAAACADAAAAAAAAAAAAAAEAAACgMgAAVgcAAKr4//8BAAAAf39/AAEAAABkAAAAAAAAABQAAABAHwAAAAAAACYAAAAAAAAAwOD//wAAAAAmAAAAZAAAABYAAABMAAAAAAAAAAAAAAAEAAAAAAAAAAEAAAB/f38AAAAAACgAAAAoAAAAZAAAAGQAAAAAAAAAzMzMAAAAAABQAAAAUAAAAGQAAABkAAAAAAAAAAcAAAA4AAAAAAAAAAAAAAAAAAAA////AAAAAAAAAAAAAAAAAAAAAAAAAAAAAAAAAAAAAABkAAAAZAAAAAAAAAAjAAAABAAAAGQAAAAXAAAAFAAAAAAAAAAAAAAA/38AAP9/AAAAAAAACQAAAAQAAAAAAAAAHgAAAGgAAAAAAAAAAAAAAAAAAAAAAAAAAAAAABAnAAAQJwAAAAAAAAAAAAAAAAAAAAAAAAAAAAAAAAAAAAAAAAAAAAAUAAAAAAAAAMDA/wAAAAAAZAAAADIAAAAAAAAAZAAAAAAAAAB/f38ACgAAACIAAAAYAAAAAAAAAAAAAAAAAAAAAAAAAAAAAAAAAAAAJAAAACQAAAAAAAAABwAAAAAAAAAAAAAAAAAAAAAAAAAAAAAAAAAAAH9/fwAlAAAAWAAAAAAAAAAAAAAAAAAAAAAAAAAAAAAAAAAAAAAAAAAAAAAAAAAAAAAAAAAAAAAAPwAAAAAAAACghgEAAAAAAAAAAAAAAAAADAAAAAEAAAAAAAAAAAAAAAAAAAAfAAAAVAAAAP///wAAAAAAAAAAAAAAAAAAAAAAAAAAAAAAAAAAAAAAAAAAAAAAAAAAAAAAf39/AH9/fwDMzMwAwMD/AH9/fwAAAAAAAAAAAAAAAAD///8AAAAAACEAAAAYAAAAFAAAADogAAB4EQAAlCUAAGIVAAAQAAAAJgAAAAgAAAD//////////zAAAAAUAAAAAAAAAAAA//8AAAEAAAD//wAAAQA="/>
+                <pr:smNativeData xmlns:mc="http://schemas.openxmlformats.org/markup-compatibility/2006" xmlns:p14="http://schemas.microsoft.com/office/powerpoint/2010/main" xmlns:p15="http://schemas.microsoft.com/office/powerpoint/2012/main" xmlns:pr="smNativeData" xmlns="smNativeData" val="SMDATA_18_xzE7ZxMAAAAlAAAAEQAAAC0AAAAAkAAAAEgAAACQAAAASAAAAAAAAAAAAAAAAAAAAAEAAABQAAAAAAAAAAAA4D8AAAAAAADgPwAAAAAAAOA/AAAAAAAA4D8AAAAAAADgPwAAAAAAAOA/AAAAAAAA4D8AAAAAAADgPwAAAAAAAOA/AAAAAAAA4D8CAAAAjAAAAAAAAAAAAAAA////AAAAAAAAAAAAAAAAAAAAAAAAAAAAAAAAAAAAAAAAAAAAZAAAAAEAAABAAAAAAAAAAAAAAAAAAAAAAAAAAAAAAAAAAAAAAAAAAAAAAAAAAAAAAAAAAAAAAAAAAAAAAAAAAAAAAAAAAAAAAAAAAAAAAAAAAAAAAAAAAAAAAAAAAAAAFAAAADwAAAAAAAAAAAAAAAAAAAAUAAAAAQAAABQAAAAUAAAAFAAAAAEAAAAAAAAAZAAAAGQAAAAAAAAAZAAAAGQAAAAVAAAAYAAAAAAAAAAAAAAADwAAACADAAAAAAAAAAAAAAEAAACgMgAAVgcAAKr4//8BAAAAf39/AAEAAABkAAAAAAAAABQAAABAHwAAAAAAACYAAAAAAAAAwOD//wAAAAAmAAAAZAAAABYAAABMAAAAAAAAAAAAAAAEAAAAAAAAAAEAAAB/f38AAAAAACgAAAAoAAAAZAAAAGQAAAAAAAAAzMzMAAAAAABQAAAAUAAAAGQAAABkAAAAAAAAAAcAAAA4AAAAAAAAAAAAAAAAAAAA////AAAAAAAAAAAAAAAAAAAAAAAAAAAAAAAAAAAAAABkAAAAZAAAAAAAAAAjAAAABAAAAGQAAAAXAAAAFAAAAAAAAAAAAAAA/38AAP9/AAAAAAAACQAAAAQAAAAAAAAAHgAAAGgAAAAAAAAAAAAAAAAAAAAAAAAAAAAAABAnAAAQJwAAAAAAAAAAAAAAAAAAAAAAAAAAAAAAAAAAAAAAAAAAAAAUAAAAAAAAAMDA/wAAAAAAZAAAADIAAAAAAAAAZAAAAAAAAAB/f38ACgAAACIAAAAYAAAAAAAAAAAAAAAAAAAAAAAAAAAAAAAAAAAAJAAAACQAAAAAAAAABwAAAAAAAAAAAAAAAAAAAAAAAAAAAAAAAAAAAH9/fwAlAAAAWAAAAAAAAAAAAAAAAAAAAAAAAAAAAAAAAAAAAAAAAAAAAAAAAAAAAAAAAAAAAAAAPwAAAAAAAACghgEAAAAAAAAAAAAAAAAADAAAAAEAAAAAAAAAAAAAAAAAAAAfAAAAVAAAAP///wAAAAAAAAAAAAAAAAAAAAAAAAAAAAAAAAAAAAAAAAAAAAAAAAAAAAAAf39/AH9/fwDMzMwAwMD/AH9/fwAAAAAAAAAAAAAAAAD///8AAAAAACEAAAAYAAAAFAAAADogAAB4EQAAlCUAAGIVAAAQAAAAJgAAAAgAAAD//////////zAAAAAUAAAAAAAAAAAA//8AAAEAAAD//wAAAQA="/>
               </a:ext>
             </a:extLst>
           </p:cNvPicPr>
@@ -5569,8 +5429,8 @@
         </p:blipFill>
         <p:spPr>
           <a:xfrm>
-            <a:off x="5238750" y="2839720"/>
-            <a:ext cx="869950" cy="636270"/>
+            <a:off x="5321250" y="3875902"/>
+            <a:ext cx="1162050" cy="849908"/>
           </a:xfrm>
           <a:prstGeom prst="rect">
             <a:avLst/>
@@ -5589,7 +5449,7 @@
             <a:picLocks noChangeAspect="1"/>
             <a:extLst>
               <a:ext uri="smNativeData">
-                <pr:smNativeData xmlns:pr="smNativeData" xmlns="smNativeData" val="SMDATA_18_xzE7ZxMAAAAlAAAAEQAAAC8BAAAAkAAAAEgAAACQAAAASAAAAAAAAAAAAAAAAAAAAAEAAABQAAAAAAAAAAAA4D8AAAAAAADgPwAAAAAAAOA/AAAAAAAA4D8AAAAAAADgPwAAAAAAAOA/AAAAAAAA4D8AAAAAAADgPwAAAAAAAOA/AAAAAAAA4D8CAAAAjAAAAAAAAAAAAAAARHLEDP///wgAAAAAAAAAAAAAAAAAAAAAAAAAAAAAAAAAAAAAZAAAAAEAAABAAAAAAAAAAAAAAAAAAAAAAAAAAAAAAAAAAAAAAAAAAAAAAAAAAAAAAAAAAAAAAAAAAAAAAAAAAAAAAAAAAAAAAAAAAAAAAAAAAAAAAAAAAAAAAAAAAAAAFAAAADwAAAAAAAAAAAAAAAAAAAkUAAAAAQAAABQAAAAUAAAAFAAAAAEAAAAAAAAAZAAAAGQAAAAAAAAAZAAAAGQAAAAVAAAAYAAAAAAAAAAAAAAADwAAACADAAAAAAAAAAAAAAEAAACgMgAAVgcAAKr4//8BAAAAf39/AAEAAABkAAAAAAAAABQAAABAHwAAAAAAACYAAAAAAAAAwOD//wAAAAAmAAAAZAAAABYAAABMAAAAAAAAAAAAAAAEAAAAAAAAAAEAAADn5uYKAAAAACgAAAAoAAAAZAAAAGQAAAAAAAAAzMzMAAAAAABQAAAAUAAAAGQAAABkAAAAAAAAAAcAAAA4AAAAAAAAAAAAAAAAAAAA////AAAAAAAAAAAAAAAAAAAAAAAAAAAAAAAAAAAAAABkAAAAZAAAAAAAAAAjAAAABAAAAGQAAAAXAAAAFAAAAAAAAAAAAAAA/38AAP9/AAAAAAAACQAAAAQAAAAAAAAAHgAAAGgAAAAAAAAAAAAAAAAAAAAAAAAAAAAAABAnAAAQJwAAAAAAAAAAAAAAAAAAAAAAAAAAAAAAAAAAAAAAAAAAAAAUAAAAAAAAAMDA/wAAAAAAZAAAADIAAAAAAAAAZAAAAAAAAAB/f38ACgAAACIAAAAYAAAAAAAAAAAAAAAAAAAAAAAAAAAAAAAAAAAAJAAAACQAAAAAAAAABwAAAAAAAAAAAAAAAAAAAAAAAAAAAAAAAAAAAH9/fwAlAAAAWAAAAAAAAAAAAAAAAAAAAAAAAAAAAAAAAAAAAAAAAAAAAAAAAAAAAAAAAAAAAAAAPwAAAAAAAACghgEAAAAAAAAAAAAAAAAADAAAAAEAAAAAAAAAAAAAAAAAAAAfAAAAVAAAAERyxAX///8BAAAAAAAAAAAAAAAAAAAAAAAAAAAAAAAAAAAAAAAAAAAAAAACf39/AOfm5gPMzMwAwMD/AH9/fwAAAAAAAAAAAAAAAAD///8AAAAAACEAAAAYAAAAFAAAAEQYAAB+GAAALikAALQhAAAQAAAAJgAAAAgAAAD//////////zAAAAAUAAAAAAAAAAAA//8AAAEAAAD//wAAAQA="/>
+                <pr:smNativeData xmlns:mc="http://schemas.openxmlformats.org/markup-compatibility/2006" xmlns:p14="http://schemas.microsoft.com/office/powerpoint/2010/main" xmlns:p15="http://schemas.microsoft.com/office/powerpoint/2012/main" xmlns:pr="smNativeData" xmlns="smNativeData" val="SMDATA_18_xzE7ZxMAAAAlAAAAEQAAAC8BAAAAkAAAAEgAAACQAAAASAAAAAAAAAAAAAAAAAAAAAEAAABQAAAAAAAAAAAA4D8AAAAAAADgPwAAAAAAAOA/AAAAAAAA4D8AAAAAAADgPwAAAAAAAOA/AAAAAAAA4D8AAAAAAADgPwAAAAAAAOA/AAAAAAAA4D8CAAAAjAAAAAAAAAAAAAAARHLEDP///wgAAAAAAAAAAAAAAAAAAAAAAAAAAAAAAAAAAAAAZAAAAAEAAABAAAAAAAAAAAAAAAAAAAAAAAAAAAAAAAAAAAAAAAAAAAAAAAAAAAAAAAAAAAAAAAAAAAAAAAAAAAAAAAAAAAAAAAAAAAAAAAAAAAAAAAAAAAAAAAAAAAAAFAAAADwAAAAAAAAAAAAAAAAAAAkUAAAAAQAAABQAAAAUAAAAFAAAAAEAAAAAAAAAZAAAAGQAAAAAAAAAZAAAAGQAAAAVAAAAYAAAAAAAAAAAAAAADwAAACADAAAAAAAAAAAAAAEAAACgMgAAVgcAAKr4//8BAAAAf39/AAEAAABkAAAAAAAAABQAAABAHwAAAAAAACYAAAAAAAAAwOD//wAAAAAmAAAAZAAAABYAAABMAAAAAAAAAAAAAAAEAAAAAAAAAAEAAADn5uYKAAAAACgAAAAoAAAAZAAAAGQAAAAAAAAAzMzMAAAAAABQAAAAUAAAAGQAAABkAAAAAAAAAAcAAAA4AAAAAAAAAAAAAAAAAAAA////AAAAAAAAAAAAAAAAAAAAAAAAAAAAAAAAAAAAAABkAAAAZAAAAAAAAAAjAAAABAAAAGQAAAAXAAAAFAAAAAAAAAAAAAAA/38AAP9/AAAAAAAACQAAAAQAAAAAAAAAHgAAAGgAAAAAAAAAAAAAAAAAAAAAAAAAAAAAABAnAAAQJwAAAAAAAAAAAAAAAAAAAAAAAAAAAAAAAAAAAAAAAAAAAAAUAAAAAAAAAMDA/wAAAAAAZAAAADIAAAAAAAAAZAAAAAAAAAB/f38ACgAAACIAAAAYAAAAAAAAAAAAAAAAAAAAAAAAAAAAAAAAAAAAJAAAACQAAAAAAAAABwAAAAAAAAAAAAAAAAAAAAAAAAAAAAAAAAAAAH9/fwAlAAAAWAAAAAAAAAAAAAAAAAAAAAAAAAAAAAAAAAAAAAAAAAAAAAAAAAAAAAAAAAAAAAAAPwAAAAAAAACghgEAAAAAAAAAAAAAAAAADAAAAAEAAAAAAAAAAAAAAAAAAAAfAAAAVAAAAERyxAX///8BAAAAAAAAAAAAAAAAAAAAAAAAAAAAAAAAAAAAAAAAAAAAAAACf39/AOfm5gPMzMwAwMD/AH9/fwAAAAAAAAAAAAAAAAD///8AAAAAACEAAAAYAAAAFAAAAEQYAAB+GAAALikAALQhAAAQAAAAJgAAAAgAAAD//////////zAAAAAUAAAAAAAAAAAA//8AAAEAAAD//wAAAQA="/>
               </a:ext>
             </a:extLst>
           </p:cNvPicPr>
@@ -5603,8 +5463,8 @@
         </p:blipFill>
         <p:spPr>
           <a:xfrm>
-            <a:off x="3944620" y="3981450"/>
-            <a:ext cx="2749550" cy="1497330"/>
+            <a:off x="3276039" y="4844047"/>
+            <a:ext cx="3303425" cy="1798955"/>
           </a:xfrm>
           <a:prstGeom prst="rect">
             <a:avLst/>
@@ -5621,18 +5481,11 @@
   <p:clrMapOvr>
     <a:masterClrMapping/>
   </p:clrMapOvr>
-  <p:timing>
-    <p:tnLst>
-      <p:par>
-        <p:cTn id="1" dur="indefinite" restart="never" nodeType="tmRoot"/>
-      </p:par>
-    </p:tnLst>
-  </p:timing>
 </p:sld>
 </file>
 
 <file path=ppt/slides/slide10.xml><?xml version="1.0" encoding="utf-8"?>
-<p:sld xmlns:p="http://schemas.openxmlformats.org/presentationml/2006/main" xmlns:mc="http://schemas.openxmlformats.org/markup-compatibility/2006" xmlns:p14="http://schemas.microsoft.com/office/powerpoint/2010/main" xmlns:p15="http://schemas.microsoft.com/office/powerpoint/2012/main" xmlns:r="http://schemas.openxmlformats.org/officeDocument/2006/relationships" xmlns:a="http://schemas.openxmlformats.org/drawingml/2006/main" mc:Ignorable="p14">
+<p:sld xmlns:a="http://schemas.openxmlformats.org/drawingml/2006/main" xmlns:r="http://schemas.openxmlformats.org/officeDocument/2006/relationships" xmlns:p="http://schemas.openxmlformats.org/presentationml/2006/main">
   <p:cSld>
     <p:spTree>
       <p:nvGrpSpPr>
@@ -5655,7 +5508,7 @@
             <a:spLocks noGrp="1" noChangeArrowheads="1"/>
             <a:extLst>
               <a:ext uri="smNativeData">
-                <pr:smNativeData xmlns:pr="smNativeData" xmlns="smNativeData" val="SMDATA_16_xzE7ZxMAAAAlAAAAZAAAAA0AAAAAkAAAAEgAAACQAAAASAAAAAAAAAABAAAAAAAAAAEAAABQAAAAAAAAAAAA4D8AAAAAAADgPwAAAAAAAOA/AAAAAAAA4D8AAAAAAADgPwAAAAAAAOA/AAAAAAAA4D8AAAAAAADgPwAAAAAAAOA/AAAAAAAA4D8CAAAAjAAAAAAAAAAAAAAARHLEDP///wgAAAAAAAAAAAAAAAAAAAAAAAAAAAAAAAAAAAAAZAAAAAEAAABAAAAAAAAAAAAAAAAAAAAAAAAAAAAAAAAAAAAAAAAAAAAAAAAAAAAAAAAAAAAAAAAAAAAAAAAAAAAAAAAAAAAAAAAAAAAAAAAAAAAAAAAAAAAAAAAAAAAAFAAAADwAAAAAAAAAAAAAAAAAAAkUAAAAAQAAABQAAAAUAAAAFAAAAAEAAAAAAAAAZAAAAGQAAAAAAAAAZAAAAGQAAAAVAAAAYAAAAAAAAAAAAAAADwAAACADAAAAAAAAAAAAAAEAAACgMgAAVgcAAKr4//8BAAAAf39/AAEAAABkAAAAAAAAABQAAABAHwAAAAAAACYAAAAAAAAAwOD//wAAAAAmAAAAZAAAABYAAABMAAAAAAAAAAAAAAAEAAAAAAAAAAEAAADn5uYKAAAAACgAAAAoAAAAZAAAAGQAAAAAAAAAzMzMAAAAAABQAAAAUAAAAGQAAABkAAAAAAAAABcAAAAUAAAAAAAAAAAAAAD/fwAA/38AAAAAAAAJAAAABAAAAAAAAAAeAAAAaAAAAAAAAAAAAAAAAAAAAAAAAAAAAAAAECcAABAnAAAAAAAAAAAAAAAAAAAAAAAAAAAAAAAAAAAAAAAAAAAAABQAAAAAAAAAwMD/AAAAAABkAAAAMgAAAAAAAABkAAAAAAAAAH9/fwAKAAAAIgAAABgAAAAAAAAAAAAAAAAAAAAAAAAAAAAAAAAAAAAkAAAAJAAAAAAAAAAHAAAAAAAAAAAAAAAAAAAAAAAAAAAAAAAAAAAAf39/ACUAAABYAAAAAAAAAAAAAAAAAAAAAAAAAAAAAAAAAAAAAAAAAAAAAAAAAAAAAAAAAAAAAAA/AAAAAAAAAKCGAQAAAAAAAAAAAAAAAAAMAAAAAQAAAAAAAAAAAAAAAAAAAB8AAABUAAAARHLEBf///wEAAAAAAAAAAAAAAAAAAAAAAAAAAAAAAAAAAAAAAAAAAAAAAAJ/f38A5+bmA8zMzADAwP8Af39/AAAAAAAAAAAAAAAAAAAAAAAAAAAAIQAAABgAAAAUAAAAKAUAAD8CAADYRQAAZwoAABAAAAAmAAAACAAAAAAAAAAAAAAAMAAAABQAAAAAAAAAAAD//wAAAQAAAP//AAABAA=="/>
+                <pr:smNativeData xmlns:mc="http://schemas.openxmlformats.org/markup-compatibility/2006" xmlns:p14="http://schemas.microsoft.com/office/powerpoint/2010/main" xmlns:p15="http://schemas.microsoft.com/office/powerpoint/2012/main" xmlns:pr="smNativeData" xmlns="smNativeData" val="SMDATA_16_xzE7ZxMAAAAlAAAAZAAAAA0AAAAAkAAAAEgAAACQAAAASAAAAAAAAAABAAAAAAAAAAEAAABQAAAAAAAAAAAA4D8AAAAAAADgPwAAAAAAAOA/AAAAAAAA4D8AAAAAAADgPwAAAAAAAOA/AAAAAAAA4D8AAAAAAADgPwAAAAAAAOA/AAAAAAAA4D8CAAAAjAAAAAAAAAAAAAAARHLEDP///wgAAAAAAAAAAAAAAAAAAAAAAAAAAAAAAAAAAAAAZAAAAAEAAABAAAAAAAAAAAAAAAAAAAAAAAAAAAAAAAAAAAAAAAAAAAAAAAAAAAAAAAAAAAAAAAAAAAAAAAAAAAAAAAAAAAAAAAAAAAAAAAAAAAAAAAAAAAAAAAAAAAAAFAAAADwAAAAAAAAAAAAAAAAAAAkUAAAAAQAAABQAAAAUAAAAFAAAAAEAAAAAAAAAZAAAAGQAAAAAAAAAZAAAAGQAAAAVAAAAYAAAAAAAAAAAAAAADwAAACADAAAAAAAAAAAAAAEAAACgMgAAVgcAAKr4//8BAAAAf39/AAEAAABkAAAAAAAAABQAAABAHwAAAAAAACYAAAAAAAAAwOD//wAAAAAmAAAAZAAAABYAAABMAAAAAAAAAAAAAAAEAAAAAAAAAAEAAADn5uYKAAAAACgAAAAoAAAAZAAAAGQAAAAAAAAAzMzMAAAAAABQAAAAUAAAAGQAAABkAAAAAAAAABcAAAAUAAAAAAAAAAAAAAD/fwAA/38AAAAAAAAJAAAABAAAAAAAAAAeAAAAaAAAAAAAAAAAAAAAAAAAAAAAAAAAAAAAECcAABAnAAAAAAAAAAAAAAAAAAAAAAAAAAAAAAAAAAAAAAAAAAAAABQAAAAAAAAAwMD/AAAAAABkAAAAMgAAAAAAAABkAAAAAAAAAH9/fwAKAAAAIgAAABgAAAAAAAAAAAAAAAAAAAAAAAAAAAAAAAAAAAAkAAAAJAAAAAAAAAAHAAAAAAAAAAAAAAAAAAAAAAAAAAAAAAAAAAAAf39/ACUAAABYAAAAAAAAAAAAAAAAAAAAAAAAAAAAAAAAAAAAAAAAAAAAAAAAAAAAAAAAAAAAAAA/AAAAAAAAAKCGAQAAAAAAAAAAAAAAAAAMAAAAAQAAAAAAAAAAAAAAAAAAAB8AAABUAAAARHLEBf///wEAAAAAAAAAAAAAAAAAAAAAAAAAAAAAAAAAAAAAAAAAAAAAAAJ/f38A5+bmA8zMzADAwP8Af39/AAAAAAAAAAAAAAAAAAAAAAAAAAAAIQAAABgAAAAUAAAAKAUAAD8CAADYRQAAZwoAABAAAAAmAAAACAAAAAAAAAAAAAAAMAAAABQAAAAAAAAAAAD//wAAAQAAAP//AAABAA=="/>
               </a:ext>
             </a:extLst>
           </p:cNvSpPr>
@@ -5671,6 +5524,7 @@
             <a:pPr>
               <a:defRPr lang="ru-ru"/>
             </a:pPr>
+            <a:endParaRPr/>
           </a:p>
         </p:txBody>
       </p:sp>
@@ -5681,7 +5535,7 @@
             <a:spLocks noGrp="1" noChangeArrowheads="1"/>
             <a:extLst>
               <a:ext uri="smNativeData">
-                <pr:smNativeData xmlns:pr="smNativeData" xmlns="smNativeData" val="SMDATA_16_xzE7ZxMAAAAlAAAAZAAAAA0AAAAAkAAAAEgAAACQAAAASAAAAAAAAAAAAAAAAAAAAAEAAABQAAAAAAAAAAAA4D8AAAAAAADgPwAAAAAAAOA/AAAAAAAA4D8AAAAAAADgPwAAAAAAAOA/AAAAAAAA4D8AAAAAAADgPwAAAAAAAOA/AAAAAAAA4D8CAAAAjAAAAAAAAAAAAAAARHLEDP///wgAAAAAAAAAAAAAAAAAAAAAAAAAAAAAAAAAAAAAZAAAAAEAAABAAAAAAAAAAAAAAAAAAAAAAAAAAAAAAAAAAAAAAAAAAAAAAAAAAAAAAAAAAAAAAAAAAAAAAAAAAAAAAAAAAAAAAAAAAAAAAAAAAAAAAAAAAAAAAAAAAAAAFAAAADwAAAAAAAAAAAAAAAAAAAkUAAAAAQAAABQAAAAUAAAAFAAAAAEAAAAAAAAAZAAAAGQAAAAAAAAAZAAAAGQAAAAVAAAAYAAAAAAAAAAAAAAADwAAACADAAAAAAAAAAAAAAEAAACgMgAAVgcAAKr4//8BAAAAf39/AAEAAABkAAAAAAAAABQAAABAHwAAAAAAACYAAAAAAAAAwOD//wAAAAAmAAAAZAAAABYAAABMAAAAAAAAAAAAAAAEAAAAAAAAAAEAAADn5uYKAAAAACgAAAAoAAAAZAAAAGQAAAAAAAAAzMzMAAAAAABQAAAAUAAAAGQAAABkAAAAAAAAABcAAAAUAAAAAAAAAAAAAAD/fwAA/38AAAAAAAAJAAAABAAAAAAAAAAeAAAAaAAAAAAAAAAAAAAAAAAAAAAAAAAAAAAAECcAABAnAAAAAAAAAAAAAAAAAAAAAAAAAAAAAAAAAAAAAAAAAAAAABQAAAAAAAAAwMD/AAAAAABkAAAAMgAAAAAAAABkAAAAAAAAAH9/fwAKAAAAIgAAABgAAAAAAAAAAAAAAAAAAAAAAAAAAAAAAAAAAAAkAAAAJAAAAAAAAAAHAAAAAAAAAAAAAAAAAAAAAAAAAAAAAAAAAAAAf39/ACUAAABYAAAAAAAAAAAAAAAAAAAAAAAAAAAAAAAAAAAAAAAAAAAAAAAAAAAAAAAAAAAAAAA/AAAAAAAAAKCGAQAAAAAAAAAAAAAAAAAMAAAAAQAAAAAAAAAAAAAAAAAAAB8AAABUAAAARHLEBf///wEAAAAAAAAAAAAAAAAAAAAAAAAAAAAAAAAAAAAAAAAAAAAAAAJ/f38A5+bmA8zMzADAwP8Af39/AAAAAAAAAAAAAAAAAAAAAAAAAAAAIQAAABgAAAAUAAAAKAUAADsLAADYRQAAACYAABAAAAAmAAAACAAAAAAAAAAAAAAAMAAAABQAAAAAAAAAAAD//wAAAQAAAP//AAABAA=="/>
+                <pr:smNativeData xmlns:mc="http://schemas.openxmlformats.org/markup-compatibility/2006" xmlns:p14="http://schemas.microsoft.com/office/powerpoint/2010/main" xmlns:p15="http://schemas.microsoft.com/office/powerpoint/2012/main" xmlns:pr="smNativeData" xmlns="smNativeData" val="SMDATA_16_xzE7ZxMAAAAlAAAAZAAAAA0AAAAAkAAAAEgAAACQAAAASAAAAAAAAAAAAAAAAAAAAAEAAABQAAAAAAAAAAAA4D8AAAAAAADgPwAAAAAAAOA/AAAAAAAA4D8AAAAAAADgPwAAAAAAAOA/AAAAAAAA4D8AAAAAAADgPwAAAAAAAOA/AAAAAAAA4D8CAAAAjAAAAAAAAAAAAAAARHLEDP///wgAAAAAAAAAAAAAAAAAAAAAAAAAAAAAAAAAAAAAZAAAAAEAAABAAAAAAAAAAAAAAAAAAAAAAAAAAAAAAAAAAAAAAAAAAAAAAAAAAAAAAAAAAAAAAAAAAAAAAAAAAAAAAAAAAAAAAAAAAAAAAAAAAAAAAAAAAAAAAAAAAAAAFAAAADwAAAAAAAAAAAAAAAAAAAkUAAAAAQAAABQAAAAUAAAAFAAAAAEAAAAAAAAAZAAAAGQAAAAAAAAAZAAAAGQAAAAVAAAAYAAAAAAAAAAAAAAADwAAACADAAAAAAAAAAAAAAEAAACgMgAAVgcAAKr4//8BAAAAf39/AAEAAABkAAAAAAAAABQAAABAHwAAAAAAACYAAAAAAAAAwOD//wAAAAAmAAAAZAAAABYAAABMAAAAAAAAAAAAAAAEAAAAAAAAAAEAAADn5uYKAAAAACgAAAAoAAAAZAAAAGQAAAAAAAAAzMzMAAAAAABQAAAAUAAAAGQAAABkAAAAAAAAABcAAAAUAAAAAAAAAAAAAAD/fwAA/38AAAAAAAAJAAAABAAAAAAAAAAeAAAAaAAAAAAAAAAAAAAAAAAAAAAAAAAAAAAAECcAABAnAAAAAAAAAAAAAAAAAAAAAAAAAAAAAAAAAAAAAAAAAAAAABQAAAAAAAAAwMD/AAAAAABkAAAAMgAAAAAAAABkAAAAAAAAAH9/fwAKAAAAIgAAABgAAAAAAAAAAAAAAAAAAAAAAAAAAAAAAAAAAAAkAAAAJAAAAAAAAAAHAAAAAAAAAAAAAAAAAAAAAAAAAAAAAAAAAAAAf39/ACUAAABYAAAAAAAAAAAAAAAAAAAAAAAAAAAAAAAAAAAAAAAAAAAAAAAAAAAAAAAAAAAAAAA/AAAAAAAAAKCGAQAAAAAAAAAAAAAAAAAMAAAAAQAAAAAAAAAAAAAAAAAAAB8AAABUAAAARHLEBf///wEAAAAAAAAAAAAAAAAAAAAAAAAAAAAAAAAAAAAAAAAAAAAAAAJ/f38A5+bmA8zMzADAwP8Af39/AAAAAAAAAAAAAAAAAAAAAAAAAAAAIQAAABgAAAAUAAAAKAUAADsLAADYRQAAACYAABAAAAAmAAAACAAAAAAAAAAAAAAAMAAAABQAAAAAAAAAAAD//wAAAQAAAP//AAABAA=="/>
               </a:ext>
             </a:extLst>
           </p:cNvSpPr>
@@ -5697,19 +5551,21 @@
             <a:pPr>
               <a:defRPr lang="ru-ru"/>
             </a:pPr>
+            <a:endParaRPr/>
           </a:p>
         </p:txBody>
       </p:sp>
       <p:pic>
         <p:nvPicPr>
-          <p:cNvPr id="4" name="Рисунок 4"/>
+          <p:cNvPr id="6" name="Рисунок 5">
+            <a:extLst>
+              <a:ext uri="{FF2B5EF4-FFF2-40B4-BE49-F238E27FC236}">
+                <a16:creationId xmlns:a16="http://schemas.microsoft.com/office/drawing/2014/main" id="{4AE4AEF5-707E-74EE-FDC9-F919492F4154}"/>
+              </a:ext>
+            </a:extLst>
+          </p:cNvPr>
           <p:cNvPicPr>
             <a:picLocks noChangeAspect="1"/>
-            <a:extLst>
-              <a:ext uri="smNativeData">
-                <pr:smNativeData xmlns:pr="smNativeData" xmlns="smNativeData" val="SMDATA_18_xzE7ZxMAAAAlAAAAEQAAAC0AAAAAkAAAAEgAAACQAAAASAAAAAAAAAAAAAAAAAAAAAEAAABQAAAAAAAAAAAA4D8AAAAAAADgPwAAAAAAAOA/AAAAAAAA4D8AAAAAAADgPwAAAAAAAOA/AAAAAAAA4D8AAAAAAADgPwAAAAAAAOA/AAAAAAAA4D8CAAAAjAAAAAAAAAAAAAAARHLEDP///wgAAAAAAAAAAAAAAAAAAAAAAAAAAAAAAAAAAAAAZAAAAAEAAABAAAAAAAAAAAAAAAAAAAAAAAAAAAAAAAAAAAAAAAAAAAAAAAAAAAAAAAAAAAAAAAAAAAAAAAAAAAAAAAAAAAAAAAAAAAAAAAAAAAAAAAAAAAAAAAAAAAAAFAAAADwAAAAAAAAAAAAAAAAAAAkUAAAAAQAAABQAAAAUAAAAFAAAAAEAAAAAAAAAZAAAAGQAAAAAAAAAZAAAAGQAAAAVAAAAYAAAAAAAAAAAAAAADwAAACADAAAAAAAAAAAAAAEAAACgMgAAVgcAAKr4//8BAAAAf39/AAEAAABkAAAAAAAAABQAAABAHwAAAAAAACYAAAAAAAAAwOD//wAAAAAmAAAAZAAAABYAAABMAAAAAAAAAAAAAAAEAAAAAAAAAAEAAADn5uYKAAAAACgAAAAoAAAAZAAAAGQAAAAAAAAAzMzMAAAAAABQAAAAUAAAAGQAAABkAAAAAAAAAAcAAAA4AAAAAAAAAAAAAAAAAAAA////AAAAAAAAAAAAAAAAAAAAAAAAAAAAAAAAAAAAAABkAAAAZAAAAAAAAAAjAAAABAAAAGQAAAAXAAAAFAAAAAAAAAAAAAAA/38AAP9/AAAAAAAACQAAAAQAAAD/////HgAAAGgAAAAAAAAAAAAAAAAAAAAAAAAAAAAAABAnAAAQJwAAAAAAAAAAAAAAAAAAAAAAAAAAAAAAAAAAAAAAAAAAAAAUAAAAAAAAAMDA/wAAAAAAZAAAADIAAAAAAAAAZAAAAAAAAAB/f38ACgAAACIAAAAYAAAAAAAAAAAAAAAAAAAAAAAAAAAAAAAAAAAAJAAAACQAAAAAAAAABwAAAAAAAAAAAAAAAAAAAAAAAAAAAAAAAAAAAH9/fwAlAAAAWAAAAAAAAAAAAAAAAAAAAAAAAAAAAAAAAAAAAAAAAAAAAAAAAAAAAAAAAAAAAAAAPwAAAAAAAACghgEAAAAAAAAAAAAAAAAADAAAAAEAAAAAAAAAAAAAAAAAAAAfAAAAVAAAAERyxAX///8BAAAAAAAAAAAAAAAAAAAAAAAAAAAAAAAAAAAAAAAAAAAAAAACf39/AOfm5gPMzMwAwMD/AH9/fwAAAAAAAAAAAAAAAAD///8AAAAAACEAAAAYAAAAFAAAAEUBAAA/AgAACh4AAEgmAAAQAAAAJgAAAAgAAAD//////////zAAAAAUAAAAAAAAAAAA//8AAAEAAAD//wAAAQA="/>
-              </a:ext>
-            </a:extLst>
           </p:cNvPicPr>
           <p:nvPr/>
         </p:nvPicPr>
@@ -5721,8 +5577,116 @@
         </p:blipFill>
         <p:spPr>
           <a:xfrm>
-            <a:off x="206375" y="365125"/>
-            <a:ext cx="4676775" cy="5857875"/>
+            <a:off x="838200" y="728980"/>
+            <a:ext cx="5105400" cy="5448300"/>
+          </a:xfrm>
+          <a:prstGeom prst="rect">
+            <a:avLst/>
+          </a:prstGeom>
+        </p:spPr>
+      </p:pic>
+    </p:spTree>
+  </p:cSld>
+  <p:clrMapOvr>
+    <a:masterClrMapping/>
+  </p:clrMapOvr>
+</p:sld>
+</file>
+
+<file path=ppt/slides/slide2.xml><?xml version="1.0" encoding="utf-8"?>
+<p:sld xmlns:a="http://schemas.openxmlformats.org/drawingml/2006/main" xmlns:r="http://schemas.openxmlformats.org/officeDocument/2006/relationships" xmlns:p="http://schemas.openxmlformats.org/presentationml/2006/main">
+  <p:cSld>
+    <p:spTree>
+      <p:nvGrpSpPr>
+        <p:cNvPr id="1" name=""/>
+        <p:cNvGrpSpPr/>
+        <p:nvPr/>
+      </p:nvGrpSpPr>
+      <p:grpSpPr>
+        <a:xfrm>
+          <a:off x="0" y="0"/>
+          <a:ext cx="0" cy="0"/>
+          <a:chOff x="0" y="0"/>
+          <a:chExt cx="0" cy="0"/>
+        </a:xfrm>
+      </p:grpSpPr>
+      <p:sp>
+        <p:nvSpPr>
+          <p:cNvPr id="2" name="Заголовок 1"/>
+          <p:cNvSpPr>
+            <a:spLocks noGrp="1" noChangeArrowheads="1"/>
+            <a:extLst>
+              <a:ext uri="smNativeData">
+                <pr:smNativeData xmlns:mc="http://schemas.openxmlformats.org/markup-compatibility/2006" xmlns:p14="http://schemas.microsoft.com/office/powerpoint/2010/main" xmlns:p15="http://schemas.microsoft.com/office/powerpoint/2012/main" xmlns:pr="smNativeData" xmlns="smNativeData" val="SMDATA_16_xzE7ZxMAAAAlAAAAZAAAAA0AAAAAkAAAAEgAAACQAAAASAAAAAAAAAABAAAAAAAAAAEAAABQAAAAAAAAAAAA4D8AAAAAAADgPwAAAAAAAOA/AAAAAAAA4D8AAAAAAADgPwAAAAAAAOA/AAAAAAAA4D8AAAAAAADgPwAAAAAAAOA/AAAAAAAA4D8CAAAAjAAAAAAAAAAAAAAARHLEDP///wgAAAAAAAAAAAAAAAAAAAAAAAAAAAAAAAAAAAAAZAAAAAEAAABAAAAAAAAAAAAAAAAAAAAAAAAAAAAAAAAAAAAAAAAAAAAAAAAAAAAAAAAAAAAAAAAAAAAAAAAAAAAAAAAAAAAAAAAAAAAAAAAAAAAAAAAAAAAAAAAAAAAAFAAAADwAAAAAAAAAAAAAAAAAAAkUAAAAAQAAABQAAAAUAAAAFAAAAAEAAAAAAAAAZAAAAGQAAAAAAAAAZAAAAGQAAAAVAAAAYAAAAAAAAAAAAAAADwAAACADAAAAAAAAAAAAAAEAAACgMgAAVgcAAKr4//8BAAAAf39/AAEAAABkAAAAAAAAABQAAABAHwAAAAAAACYAAAAAAAAAwOD//wAAAAAmAAAAZAAAABYAAABMAAAAAAAAAAAAAAAEAAAAAAAAAAEAAADn5uYKAAAAACgAAAAoAAAAZAAAAGQAAAAAAAAAzMzMAAAAAABQAAAAUAAAAGQAAABkAAAAAAAAABcAAAAUAAAAAAAAAAAAAAD/fwAA/38AAAAAAAAJAAAABAAAAAAAAAAeAAAAaAAAAAAAAAAAAAAAAAAAAAAAAAAAAAAAECcAABAnAAAAAAAAAAAAAAAAAAAAAAAAAAAAAAAAAAAAAAAAAAAAABQAAAAAAAAAwMD/AAAAAABkAAAAMgAAAAAAAABkAAAAAAAAAH9/fwAKAAAAIgAAABgAAAAAAAAAAAAAAAAAAAAAAAAAAAAAAAAAAAAkAAAAJAAAAAAAAAAHAAAAAAAAAAAAAAAAAAAAAAAAAAAAAAAAAAAAf39/ACUAAABYAAAAAAAAAAAAAAAAAAAAAAAAAAAAAAAAAAAAAAAAAAAAAAAAAAAAAAAAAAAAAAA/AAAAAAAAAKCGAQAAAAAAAAAAAAAAAAAMAAAAAQAAAAAAAAAAAAAAAAAAAB8AAABUAAAARHLEBf///wEAAAAAAAAAAAAAAAAAAAAAAAAAAAAAAAAAAAAAAAAAAAAAAAJ/f38A5+bmA8zMzADAwP8Af39/AAAAAAAAAAAAAAAAAAAAAAAAAAAAIQAAABgAAAAUAAAAKAUAAD8CAADYRQAAZwoAABAAAAAmAAAACAAAAAAAAAAAAAAAMAAAABQAAAAAAAAAAAD//wAAAQAAAP//AAABAA=="/>
+              </a:ext>
+            </a:extLst>
+          </p:cNvSpPr>
+          <p:nvPr>
+            <p:ph type="title"/>
+          </p:nvPr>
+        </p:nvSpPr>
+        <p:spPr/>
+        <p:txBody>
+          <a:bodyPr/>
+          <a:lstStyle/>
+          <a:p>
+            <a:pPr>
+              <a:defRPr lang="ru-ru"/>
+            </a:pPr>
+            <a:endParaRPr/>
+          </a:p>
+        </p:txBody>
+      </p:sp>
+      <p:sp>
+        <p:nvSpPr>
+          <p:cNvPr id="3" name="Объект 2"/>
+          <p:cNvSpPr>
+            <a:spLocks noGrp="1" noChangeArrowheads="1"/>
+            <a:extLst>
+              <a:ext uri="smNativeData">
+                <pr:smNativeData xmlns:mc="http://schemas.openxmlformats.org/markup-compatibility/2006" xmlns:p14="http://schemas.microsoft.com/office/powerpoint/2010/main" xmlns:p15="http://schemas.microsoft.com/office/powerpoint/2012/main" xmlns:pr="smNativeData" xmlns="smNativeData" val="SMDATA_16_xzE7ZxMAAAAlAAAAZAAAAA0AAAAAkAAAAEgAAACQAAAASAAAAAAAAAAAAAAAAAAAAAEAAABQAAAAAAAAAAAA4D8AAAAAAADgPwAAAAAAAOA/AAAAAAAA4D8AAAAAAADgPwAAAAAAAOA/AAAAAAAA4D8AAAAAAADgPwAAAAAAAOA/AAAAAAAA4D8CAAAAjAAAAAAAAAAAAAAARHLEDP///wgAAAAAAAAAAAAAAAAAAAAAAAAAAAAAAAAAAAAAZAAAAAEAAABAAAAAAAAAAAAAAAAAAAAAAAAAAAAAAAAAAAAAAAAAAAAAAAAAAAAAAAAAAAAAAAAAAAAAAAAAAAAAAAAAAAAAAAAAAAAAAAAAAAAAAAAAAAAAAAAAAAAAFAAAADwAAAAAAAAAAAAAAAAAAAkUAAAAAQAAABQAAAAUAAAAFAAAAAEAAAAAAAAAZAAAAGQAAAAAAAAAZAAAAGQAAAAVAAAAYAAAAAAAAAAAAAAADwAAACADAAAAAAAAAAAAAAEAAACgMgAAVgcAAKr4//8BAAAAf39/AAEAAABkAAAAAAAAABQAAABAHwAAAAAAACYAAAAAAAAAwOD//wAAAAAmAAAAZAAAABYAAABMAAAAAAAAAAAAAAAEAAAAAAAAAAEAAADn5uYKAAAAACgAAAAoAAAAZAAAAGQAAAAAAAAAzMzMAAAAAABQAAAAUAAAAGQAAABkAAAAAAAAABcAAAAUAAAAAAAAAAAAAAD/fwAA/38AAAAAAAAJAAAABAAAAAAAAAAeAAAAaAAAAAAAAAAAAAAAAAAAAAAAAAAAAAAAECcAABAnAAAAAAAAAAAAAAAAAAAAAAAAAAAAAAAAAAAAAAAAAAAAABQAAAAAAAAAwMD/AAAAAABkAAAAMgAAAAAAAABkAAAAAAAAAH9/fwAKAAAAIgAAABgAAAAAAAAAAAAAAAAAAAAAAAAAAAAAAAAAAAAkAAAAJAAAAAAAAAAHAAAAAAAAAAAAAAAAAAAAAAAAAAAAAAAAAAAAf39/ACUAAABYAAAAAAAAAAAAAAAAAAAAAAAAAAAAAAAAAAAAAAAAAAAAAAAAAAAAAAAAAAAAAAA/AAAAAAAAAKCGAQAAAAAAAAAAAAAAAAAMAAAAAQAAAAAAAAAAAAAAAAAAAB8AAABUAAAARHLEBf///wEAAAAAAAAAAAAAAAAAAAAAAAAAAAAAAAAAAAAAAAAAAAAAAAJ/f38A5+bmA8zMzADAwP8Af39/AAAAAAAAAAAAAAAAAAAAAAAAAAAAIQAAABgAAAAUAAAAKAUAADsLAADYRQAAACYAABAAAAAmAAAACAAAAAAAAAAAAAAAMAAAABQAAAAAAAAAAAD//wAAAQAAAP//AAABAA=="/>
+              </a:ext>
+            </a:extLst>
+          </p:cNvSpPr>
+          <p:nvPr>
+            <p:ph type="body" idx="1"/>
+          </p:nvPr>
+        </p:nvSpPr>
+        <p:spPr/>
+        <p:txBody>
+          <a:bodyPr/>
+          <a:lstStyle/>
+          <a:p>
+            <a:pPr>
+              <a:defRPr lang="ru-ru"/>
+            </a:pPr>
+            <a:endParaRPr/>
+          </a:p>
+        </p:txBody>
+      </p:sp>
+      <p:pic>
+        <p:nvPicPr>
+          <p:cNvPr id="4" name="Изображение1"/>
+          <p:cNvPicPr>
+            <a:picLocks noChangeAspect="1"/>
+            <a:extLst>
+              <a:ext uri="smNativeData">
+                <pr:smNativeData xmlns:mc="http://schemas.openxmlformats.org/markup-compatibility/2006" xmlns:p14="http://schemas.microsoft.com/office/powerpoint/2010/main" xmlns:p15="http://schemas.microsoft.com/office/powerpoint/2012/main" xmlns:pr="smNativeData" xmlns="smNativeData" val="SMDATA_18_xzE7ZxMAAAAlAAAAEQAAAC8BAAAAkAAAAEgAAACQAAAASAAAAAAAAAAAAAAAAAAAAAEAAABQAAAAAAAAAAAA4D8AAAAAAADgPwAAAAAAAOA/AAAAAAAA4D8AAAAAAADgPwAAAAAAAOA/AAAAAAAA4D8AAAAAAADgPwAAAAAAAOA/AAAAAAAA4D8CAAAAjAAAAAAAAAAAAAAARHLEDP///wgAAAAAAAAAAAAAAAAAAAAAAAAAAAAAAAAAAAAAZAAAAAEAAABAAAAAAAAAAAAAAAAAAAAAAAAAAAAAAAAAAAAAAAAAAAAAAAAAAAAAAAAAAAAAAAAAAAAAAAAAAAAAAAAAAAAAAAAAAAAAAAAAAAAAAAAAAAAAAAAAAAAAFAAAADwAAAAAAAAAAAAAAAAAAAkUAAAAAQAAABQAAAAUAAAAFAAAAAEAAAAAAAAAZAAAAGQAAAAAAAAAZAAAAGQAAAAVAAAAYAAAAAAAAAAAAAAADwAAACADAAAAAAAAAAAAAAEAAACgMgAAVgcAAKr4//8BAAAAf39/AAEAAABkAAAAAAAAABQAAABAHwAAAAAAACYAAAAAAAAAwOD//wAAAAAmAAAAZAAAABYAAABMAAAAAAAAAAAAAAAEAAAAAAAAAAEAAADn5uYKAAAAACgAAAAoAAAAZAAAAGQAAAAAAAAAzMzMAAAAAABQAAAAUAAAAGQAAABkAAAAAAAAAAcAAAA4AAAAAAAAAAAAAAAAAAAA////AAAAAAAAAAAAAAAAAAAAAAAAAAAAAAAAAAAAAABkAAAAZAAAAAAAAAAjAAAABAAAAGQAAAAXAAAAFAAAAAAAAAAAAAAA/38AAP9/AAAAAAAACQAAAAQAAAAAAAAAHgAAAGgAAAAAAAAAAAAAAAAAAAAAAAAAAAAAABAnAAAQJwAAAAAAAAAAAAAAAAAAAAAAAAAAAAAAAAAAAAAAAAAAAAAUAAAAAAAAAMDA/wAAAAAAZAAAADIAAAAAAAAAZAAAAAAAAAB/f38ACgAAACIAAAAYAAAAAAAAAAAAAAAAAAAAAAAAAAAAAAAAAAAAJAAAACQAAAAAAAAABwAAAAAAAAAAAAAAAAAAAAAAAAAAAAAAAAAAAH9/fwAlAAAAWAAAAAAAAAAAAAAAAAAAAAAAAAAAAAAAAAAAAAAAAAAAAAAAAAAAAAAAAAAAAAAAPwAAAAAAAACghgEAAAAAAAAAAAAAAAAADAAAAAEAAAAAAAAAAAAAAAAAAAAfAAAAVAAAAERyxAX///8BAAAAAAAAAAAAAAAAAAAAAAAAAAAAAAAAAAAAAAAAAAAAAAACf39/AOfm5gPMzMwAwMD/AH9/fwAAAAAAAAAAAAAAAAD///8AAAAAACEAAAAYAAAAFAAAAP4AAAD9AAAARzMAAL8WAAAQAAAAJgAAAAgAAAD//////////zAAAAAUAAAAAAAAAAAA//8AAAEAAAD//wAAAQA="/>
+              </a:ext>
+            </a:extLst>
+          </p:cNvPicPr>
+          <p:nvPr/>
+        </p:nvPicPr>
+        <p:blipFill>
+          <a:blip r:embed="rId3"/>
+          <a:stretch>
+            <a:fillRect/>
+          </a:stretch>
+        </p:blipFill>
+        <p:spPr>
+          <a:xfrm>
+            <a:off x="161290" y="160655"/>
+            <a:ext cx="8174355" cy="3536950"/>
           </a:xfrm>
           <a:prstGeom prst="rect">
             <a:avLst/>
@@ -5736,27 +5700,61 @@
       </p:pic>
       <p:pic>
         <p:nvPicPr>
-          <p:cNvPr id="5" name="Рисунок 6"/>
+          <p:cNvPr id="5" name="Изображение2"/>
           <p:cNvPicPr>
             <a:picLocks noChangeAspect="1"/>
             <a:extLst>
               <a:ext uri="smNativeData">
-                <pr:smNativeData xmlns:pr="smNativeData" xmlns="smNativeData" val="SMDATA_18_xzE7ZxMAAAAlAAAAEQAAAC0AAAAAkAAAAEgAAACQAAAASAAAAAAAAAAAAAAAAAAAAAEAAABQAAAAAAAAAAAA4D8AAAAAAADgPwAAAAAAAOA/AAAAAAAA4D8AAAAAAADgPwAAAAAAAOA/AAAAAAAA4D8AAAAAAADgPwAAAAAAAOA/AAAAAAAA4D8CAAAAjAAAAAAAAAAAAAAARHLEDP///wgAAAAAAAAAAAAAAAAAAAAAAAAAAAAAAAAAAAAAZAAAAAEAAABAAAAAAAAAAAAAAAAAAAAAAAAAAAAAAAAAAAAAAAAAAAAAAAAAAAAAAAAAAAAAAAAAAAAAAAAAAAAAAAAAAAAAAAAAAAAAAAAAAAAAAAAAAAAAAAAAAAAAFAAAADwAAAAAAAAAAAAAAAAAAAkUAAAAAQAAABQAAAAUAAAAFAAAAAEAAAAAAAAAZAAAAGQAAAAAAAAAZAAAAGQAAAAVAAAAYAAAAAAAAAAAAAAADwAAACADAAAAAAAAAAAAAAEAAACgMgAAVgcAAKr4//8BAAAAf39/AAEAAABkAAAAAAAAABQAAABAHwAAAAAAACYAAAAAAAAAwOD//wAAAAAmAAAAZAAAABYAAABMAAAAAAAAAAAAAAAEAAAAAAAAAAEAAADn5uYKAAAAACgAAAAoAAAAZAAAAGQAAAAAAAAAzMzMAAAAAABQAAAAUAAAAGQAAABkAAAAAAAAAAcAAAA4AAAAAAAAAAAAAAAAAAAA////AAAAAAAAAAAAAAAAAAAAAAAAAAAAAAAAAAAAAABkAAAAZAAAAAAAAAAjAAAABAAAAGQAAAAXAAAAFAAAAAAAAAAAAAAA/38AAP9/AAAAAAAACQAAAAQAAAD/////HgAAAGgAAAAAAAAAAAAAAAAAAAAAAAAAAAAAABAnAAAQJwAAAAAAAAAAAAAAAAAAAAAAAAAAAAAAAAAAAAAAAAAAAAAUAAAAAAAAAMDA/wAAAAAAZAAAADIAAAAAAAAAZAAAAAAAAAB/f38ACgAAACIAAAAYAAAAAAAAAAAAAAAAAAAAAAAAAAAAAAAAAAAAJAAAACQAAAAAAAAABwAAAAAAAAAAAAAAAAAAAAAAAAAAAAAAAAAAAH9/fwAlAAAAWAAAAAAAAAAAAAAAAAAAAAAAAAAAAAAAAAAAAAAAAAAAAAAAAAAAAAAAAAAAAAAAPwAAAAAAAACghgEAAAAAAAAAAAAAAAAADAAAAAEAAAAAAAAAAAAAAAAAAAAfAAAAVAAAAERyxAX///8BAAAAAAAAAAAAAAAAAAAAAAAAAAAAAAAAAAAAAAAAAAAAAAACf39/AOfm5gPMzMwAwMD/AH9/fwAAAAAAAAAAAAAAAAD///8AAAAAACEAAAAYAAAAFAAAAAgjAAAwBAAANz8AAKMnAAAQAAAAJgAAAAgAAAD//////////zAAAAAUAAAAAAAAAAAA//8AAAEAAAD//wAAAQA="/>
+                <pr:smNativeData xmlns:mc="http://schemas.openxmlformats.org/markup-compatibility/2006" xmlns:p14="http://schemas.microsoft.com/office/powerpoint/2010/main" xmlns:p15="http://schemas.microsoft.com/office/powerpoint/2012/main" xmlns:pr="smNativeData" xmlns="smNativeData" val="SMDATA_18_xzE7ZxMAAAAlAAAAEQAAAC8BAAAAkAAAAEgAAACQAAAASAAAAAAAAAAAAAAAAAAAAAEAAABQAAAAAAAAAAAA4D8AAAAAAADgPwAAAAAAAOA/AAAAAAAA4D8AAAAAAADgPwAAAAAAAOA/AAAAAAAA4D8AAAAAAADgPwAAAAAAAOA/AAAAAAAA4D8CAAAAjAAAAAAAAAAAAAAARHLEDP///wgAAAAAAAAAAAAAAAAAAAAAAAAAAAAAAAAAAAAAZAAAAAEAAABAAAAAAAAAAAAAAAAAAAAAAAAAAAAAAAAAAAAAAAAAAAAAAAAAAAAAAAAAAAAAAAAAAAAAAAAAAAAAAAAAAAAAAAAAAAAAAAAAAAAAAAAAAAAAAAAAAAAAFAAAADwAAAAAAAAAAAAAAAAAAAkUAAAAAQAAABQAAAAUAAAAFAAAAAEAAAAAAAAAZAAAAGQAAAAAAAAAZAAAAGQAAAAVAAAAYAAAAAAAAAAAAAAADwAAACADAAAAAAAAAAAAAAEAAACgMgAAVgcAAKr4//8BAAAAf39/AAEAAABkAAAAAAAAABQAAABAHwAAAAAAACYAAAAAAAAAwOD//wAAAAAmAAAAZAAAABYAAABMAAAAAAAAAAAAAAAEAAAAAAAAAAEAAADn5uYKAAAAACgAAAAoAAAAZAAAAGQAAAAAAAAAzMzMAAAAAABQAAAAUAAAAGQAAABkAAAAAAAAAAcAAAA4AAAAAAAAAAAAAAAAAAAA////AAAAAAAAAAAAAAAAAAAAAAAAAAAAAAAAAAAAAABkAAAAZAAAAAAAAAAjAAAABAAAAGQAAAAXAAAAFAAAAAAAAAAAAAAA/38AAP9/AAAAAAAACQAAAAQAAAAAAAAAHgAAAGgAAAAAAAAAAAAAAAAAAAAAAAAAAAAAABAnAAAQJwAAAAAAAAAAAAAAAAAAAAAAAAAAAAAAAAAAAAAAAAAAAAAUAAAAAAAAAMDA/wAAAAAAZAAAADIAAAAAAAAAZAAAAAAAAAB/f38ACgAAACIAAAAYAAAAAAAAAAAAAAAAAAAAAAAAAAAAAAAAAAAAJAAAACQAAAAAAAAABwAAAAAAAAAAAAAAAAAAAAAAAAAAAAAAAAAAAH9/fwAlAAAAWAAAAAAAAAAAAAAAAAAAAAAAAAAAAAAAAAAAAAAAAAAAAAAAAAAAAAAAAAAAAAAAPwAAAAAAAACghgEAAAAAAAAAAAAAAAAADAAAAAEAAAAAAAAAAAAAAAAAAAAfAAAAVAAAAERyxAX///8BAAAAAAAAAAAAAAAAAAAAAAAAAAAAAAAAAAAAAAAAAAAAAAACf39/AOfm5gPMzMwAwMD/AH9/fwAAAAAAAAAAAAAAAAD///8AAAAAACEAAAAYAAAAFAAAAIYBAADbGAAAyBoAAOEmAAAQAAAAJgAAAAgAAAD//////////zAAAAAUAAAAAAAAAAAA//8AAAEAAAD//wAAAQA="/>
               </a:ext>
             </a:extLst>
           </p:cNvPicPr>
           <p:nvPr/>
         </p:nvPicPr>
         <p:blipFill>
-          <a:blip r:embed="rId3"/>
+          <a:blip r:embed="rId4"/>
           <a:stretch>
             <a:fillRect/>
           </a:stretch>
         </p:blipFill>
         <p:spPr>
           <a:xfrm>
-            <a:off x="5694680" y="680720"/>
-            <a:ext cx="4581525" cy="5762625"/>
+            <a:off x="247650" y="4040505"/>
+            <a:ext cx="4105910" cy="2279650"/>
+          </a:xfrm>
+          <a:prstGeom prst="rect">
+            <a:avLst/>
+          </a:prstGeom>
+          <a:noFill/>
+          <a:ln>
+            <a:noFill/>
+          </a:ln>
+          <a:effectLst/>
+        </p:spPr>
+      </p:pic>
+      <p:pic>
+        <p:nvPicPr>
+          <p:cNvPr id="6" name="Изображение3"/>
+          <p:cNvPicPr>
+            <a:picLocks noChangeAspect="1"/>
+            <a:extLst>
+              <a:ext uri="smNativeData">
+                <pr:smNativeData xmlns:mc="http://schemas.openxmlformats.org/markup-compatibility/2006" xmlns:p14="http://schemas.microsoft.com/office/powerpoint/2010/main" xmlns:p15="http://schemas.microsoft.com/office/powerpoint/2012/main" xmlns:pr="smNativeData" xmlns="smNativeData" val="SMDATA_18_xzE7ZxMAAAAlAAAAEQAAAC8BAAAAkAAAAEgAAACQAAAASAAAAAAAAAAAAAAAAAAAAAEAAABQAAAAAAAAAAAA4D8AAAAAAADgPwAAAAAAAOA/AAAAAAAA4D8AAAAAAADgPwAAAAAAAOA/AAAAAAAA4D8AAAAAAADgPwAAAAAAAOA/AAAAAAAA4D8CAAAAjAAAAAAAAAAAAAAARHLEDP///wgAAAAAAAAAAAAAAAAAAAAAAAAAAAAAAAAAAAAAZAAAAAEAAABAAAAAAAAAAAAAAAAAAAAAAAAAAAAAAAAAAAAAAAAAAAAAAAAAAAAAAAAAAAAAAAAAAAAAAAAAAAAAAAAAAAAAAAAAAAAAAAAAAAAAAAAAAAAAAAAAAAAAFAAAADwAAAAAAAAAAAAAAAAAAAkUAAAAAQAAABQAAAAUAAAAFAAAAAEAAAAAAAAAZAAAAGQAAAAAAAAAZAAAAGQAAAAVAAAAYAAAAAAAAAAAAAAADwAAACADAAAAAAAAAAAAAAEAAACgMgAAVgcAAKr4//8BAAAAf39/AAEAAABkAAAAAAAAABQAAABAHwAAAAAAACYAAAAAAAAAwOD//wAAAAAmAAAAZAAAABYAAABMAAAAAAAAAAAAAAAEAAAAAAAAAAEAAADn5uYKAAAAACgAAAAoAAAAZAAAAGQAAAAAAAAAzMzMAAAAAABQAAAAUAAAAGQAAABkAAAAAAAAAAcAAAA4AAAAAAAAAAAAAAAAAAAA////AAAAAAAAAAAAAAAAAAAAAAAAAAAAAAAAAAAAAABkAAAAZAAAAAAAAAAjAAAABAAAAGQAAAAXAAAAFAAAAAAAAAAAAAAA/38AAP9/AAAAAAAACQAAAAQAAABkAAAAHgAAAGgAAAAAAAAAAAAAAAAAAAAAAAAAAAAAABAnAAAQJwAAAAAAAAAAAAAAAAAAAAAAAAAAAAAAAAAAAAAAAAAAAAAUAAAAAAAAAMDA/wAAAAAAZAAAADIAAAAAAAAAZAAAAAAAAAB/f38ACgAAACIAAAAYAAAAAAAAAAAAAAAAAAAAAAAAAAAAAAAAAAAAJAAAACQAAAAAAAAABwAAAAAAAAAAAAAAAAAAAAAAAAAAAAAAAAAAAH9/fwAlAAAAWAAAAAAAAAAAAAAAAAAAAAAAAAAAAAAAAAAAAAAAAAAAAAAAAAAAAAAAAAAAAAAAPwAAAAAAAACghgEAAAAAAAAAAAAAAAAADAAAAAEAAAAAAAAAAAAAAAAAAAAfAAAAVAAAAERyxAX///8BAAAAAAAAAAAAAAAAAAAAAAAAAAAAAAAAAAAAAAAAAAAAAAACf39/AOfm5gPMzMwAwMD/AH9/fwAAAAAAAAAAAAAAAAD///8AAAAAACEAAAAYAAAAFAAAAMMbAADsGwAAjjQAAG0mAAAQAAAAJgAAAAgAAAD//////////zAAAAAUAAAAAAAAAAAA//8AAAEAAAD//wAAAQA="/>
+              </a:ext>
+            </a:extLst>
+          </p:cNvPicPr>
+          <p:nvPr/>
+        </p:nvPicPr>
+        <p:blipFill>
+          <a:blip r:embed="rId5"/>
+          <a:stretch>
+            <a:fillRect/>
+          </a:stretch>
+        </p:blipFill>
+        <p:spPr>
+          <a:xfrm>
+            <a:off x="4512945" y="4538980"/>
+            <a:ext cx="4030345" cy="1707515"/>
           </a:xfrm>
           <a:prstGeom prst="rect">
             <a:avLst/>
@@ -5773,18 +5771,11 @@
   <p:clrMapOvr>
     <a:masterClrMapping/>
   </p:clrMapOvr>
-  <p:timing>
-    <p:tnLst>
-      <p:par>
-        <p:cTn id="1" dur="indefinite" restart="never" nodeType="tmRoot"/>
-      </p:par>
-    </p:tnLst>
-  </p:timing>
 </p:sld>
 </file>
 
-<file path=ppt/slides/slide11.xml><?xml version="1.0" encoding="utf-8"?>
-<p:sld xmlns:p="http://schemas.openxmlformats.org/presentationml/2006/main" xmlns:mc="http://schemas.openxmlformats.org/markup-compatibility/2006" xmlns:p14="http://schemas.microsoft.com/office/powerpoint/2010/main" xmlns:p15="http://schemas.microsoft.com/office/powerpoint/2012/main" xmlns:r="http://schemas.openxmlformats.org/officeDocument/2006/relationships" xmlns:a="http://schemas.openxmlformats.org/drawingml/2006/main" mc:Ignorable="p14">
+<file path=ppt/slides/slide3.xml><?xml version="1.0" encoding="utf-8"?>
+<p:sld xmlns:a="http://schemas.openxmlformats.org/drawingml/2006/main" xmlns:r="http://schemas.openxmlformats.org/officeDocument/2006/relationships" xmlns:p="http://schemas.openxmlformats.org/presentationml/2006/main">
   <p:cSld>
     <p:spTree>
       <p:nvGrpSpPr>
@@ -5807,7 +5798,7 @@
             <a:spLocks noGrp="1" noChangeArrowheads="1"/>
             <a:extLst>
               <a:ext uri="smNativeData">
-                <pr:smNativeData xmlns:pr="smNativeData" xmlns="smNativeData" val="SMDATA_16_xzE7ZxMAAAAlAAAAZAAAAA0AAAAAkAAAAEgAAACQAAAASAAAAAAAAAABAAAAAAAAAAEAAABQAAAAAAAAAAAA4D8AAAAAAADgPwAAAAAAAOA/AAAAAAAA4D8AAAAAAADgPwAAAAAAAOA/AAAAAAAA4D8AAAAAAADgPwAAAAAAAOA/AAAAAAAA4D8CAAAAjAAAAAAAAAAAAAAARHLEDP///wgAAAAAAAAAAAAAAAAAAAAAAAAAAAAAAAAAAAAAZAAAAAEAAABAAAAAAAAAAAAAAAAAAAAAAAAAAAAAAAAAAAAAAAAAAAAAAAAAAAAAAAAAAAAAAAAAAAAAAAAAAAAAAAAAAAAAAAAAAAAAAAAAAAAAAAAAAAAAAAAAAAAAFAAAADwAAAAAAAAAAAAAAAAAAAkUAAAAAQAAABQAAAAUAAAAFAAAAAEAAAAAAAAAZAAAAGQAAAAAAAAAZAAAAGQAAAAVAAAAYAAAAAAAAAAAAAAADwAAACADAAAAAAAAAAAAAAEAAACgMgAAVgcAAKr4//8BAAAAf39/AAEAAABkAAAAAAAAABQAAABAHwAAAAAAACYAAAAAAAAAwOD//wAAAAAmAAAAZAAAABYAAABMAAAAAAAAAAAAAAAEAAAAAAAAAAEAAADn5uYKAAAAACgAAAAoAAAAZAAAAGQAAAAAAAAAzMzMAAAAAABQAAAAUAAAAGQAAABkAAAAAAAAABcAAAAUAAAAAAAAAAAAAAD/fwAA/38AAAAAAAAJAAAABAAAAAAAAAAeAAAAaAAAAAAAAAAAAAAAAAAAAAAAAAAAAAAAECcAABAnAAAAAAAAAAAAAAAAAAAAAAAAAAAAAAAAAAAAAAAAAAAAABQAAAAAAAAAwMD/AAAAAABkAAAAMgAAAAAAAABkAAAAAAAAAH9/fwAKAAAAIgAAABgAAAAAAAAAAAAAAAAAAAAAAAAAAAAAAAAAAAAkAAAAJAAAAAAAAAAHAAAAAAAAAAAAAAAAAAAAAAAAAAAAAAAAAAAAf39/ACUAAABYAAAAAAAAAAAAAAAAAAAAAAAAAAAAAAAAAAAAAAAAAAAAAAAAAAAAAAAAAAAAAAA/AAAAAAAAAKCGAQAAAAAAAAAAAAAAAAAMAAAAAQAAAAAAAAAAAAAAAAAAAB8AAABUAAAARHLEBf///wEAAAAAAAAAAAAAAAAAAAAAAAAAAAAAAAAAAAAAAAAAAAAAAAJ/f38A5+bmA8zMzADAwP8Af39/AAAAAAAAAAAAAAAAAAAAAAAAAAAAIQAAABgAAAAUAAAAKAUAAD8CAADYRQAAZwoAABAAAAAmAAAACAAAAAAAAAAAAAAAMAAAABQAAAAAAAAAAAD//wAAAQAAAP//AAABAA=="/>
+                <pr:smNativeData xmlns:mc="http://schemas.openxmlformats.org/markup-compatibility/2006" xmlns:p14="http://schemas.microsoft.com/office/powerpoint/2010/main" xmlns:p15="http://schemas.microsoft.com/office/powerpoint/2012/main" xmlns:pr="smNativeData" xmlns="smNativeData" val="SMDATA_16_xzE7ZxMAAAAlAAAAZAAAAA0AAAAAkAAAAEgAAACQAAAASAAAAAAAAAABAAAAAAAAAAEAAABQAAAAAAAAAAAA4D8AAAAAAADgPwAAAAAAAOA/AAAAAAAA4D8AAAAAAADgPwAAAAAAAOA/AAAAAAAA4D8AAAAAAADgPwAAAAAAAOA/AAAAAAAA4D8CAAAAjAAAAAAAAAAAAAAARHLEDP///wgAAAAAAAAAAAAAAAAAAAAAAAAAAAAAAAAAAAAAZAAAAAEAAABAAAAAAAAAAAAAAAAAAAAAAAAAAAAAAAAAAAAAAAAAAAAAAAAAAAAAAAAAAAAAAAAAAAAAAAAAAAAAAAAAAAAAAAAAAAAAAAAAAAAAAAAAAAAAAAAAAAAAFAAAADwAAAAAAAAAAAAAAAAAAAkUAAAAAQAAABQAAAAUAAAAFAAAAAEAAAAAAAAAZAAAAGQAAAAAAAAAZAAAAGQAAAAVAAAAYAAAAAAAAAAAAAAADwAAACADAAAAAAAAAAAAAAEAAACgMgAAVgcAAKr4//8BAAAAf39/AAEAAABkAAAAAAAAABQAAABAHwAAAAAAACYAAAAAAAAAwOD//wAAAAAmAAAAZAAAABYAAABMAAAAAAAAAAAAAAAEAAAAAAAAAAEAAADn5uYKAAAAACgAAAAoAAAAZAAAAGQAAAAAAAAAzMzMAAAAAABQAAAAUAAAAGQAAABkAAAAAAAAABcAAAAUAAAAAAAAAAAAAAD/fwAA/38AAAAAAAAJAAAABAAAAAAAAAAeAAAAaAAAAAAAAAAAAAAAAAAAAAAAAAAAAAAAECcAABAnAAAAAAAAAAAAAAAAAAAAAAAAAAAAAAAAAAAAAAAAAAAAABQAAAAAAAAAwMD/AAAAAABkAAAAMgAAAAAAAABkAAAAAAAAAH9/fwAKAAAAIgAAABgAAAAAAAAAAAAAAAAAAAAAAAAAAAAAAAAAAAAkAAAAJAAAAAAAAAAHAAAAAAAAAAAAAAAAAAAAAAAAAAAAAAAAAAAAf39/ACUAAABYAAAAAAAAAAAAAAAAAAAAAAAAAAAAAAAAAAAAAAAAAAAAAAAAAAAAAAAAAAAAAAA/AAAAAAAAAKCGAQAAAAAAAAAAAAAAAAAMAAAAAQAAAAAAAAAAAAAAAAAAAB8AAABUAAAARHLEBf///wEAAAAAAAAAAAAAAAAAAAAAAAAAAAAAAAAAAAAAAAAAAAAAAAJ/f38A5+bmA8zMzADAwP8Af39/AAAAAAAAAAAAAAAAAAAAAAAAAAAAIQAAABgAAAAUAAAAKAUAAD8CAADYRQAAZwoAABAAAAAmAAAACAAAAAAAAAAAAAAAMAAAABQAAAAAAAAAAAD//wAAAQAAAP//AAABAA=="/>
               </a:ext>
             </a:extLst>
           </p:cNvSpPr>
@@ -5815,7 +5806,12 @@
             <p:ph type="title"/>
           </p:nvPr>
         </p:nvSpPr>
-        <p:spPr/>
+        <p:spPr>
+          <a:xfrm>
+            <a:off x="0" y="55245"/>
+            <a:ext cx="10515600" cy="625475"/>
+          </a:xfrm>
+        </p:spPr>
         <p:txBody>
           <a:bodyPr/>
           <a:lstStyle/>
@@ -5823,6 +5819,19 @@
             <a:pPr>
               <a:defRPr lang="ru-ru"/>
             </a:pPr>
+            <a:r>
+              <a:rPr lang="en-US" dirty="0"/>
+              <a:t>S</a:t>
+            </a:r>
+            <a:r>
+              <a:rPr dirty="0"/>
+              <a:t>t</a:t>
+            </a:r>
+            <a:r>
+              <a:rPr lang="en-US" dirty="0" err="1"/>
+              <a:t>andart_ch</a:t>
+            </a:r>
+            <a:endParaRPr dirty="0"/>
           </a:p>
         </p:txBody>
       </p:sp>
@@ -5833,7 +5842,7 @@
             <a:spLocks noGrp="1" noChangeArrowheads="1"/>
             <a:extLst>
               <a:ext uri="smNativeData">
-                <pr:smNativeData xmlns:pr="smNativeData" xmlns="smNativeData" val="SMDATA_16_xzE7ZxMAAAAlAAAAZAAAAA0AAAAAkAAAAEgAAACQAAAASAAAAAAAAAAAAAAAAAAAAAEAAABQAAAAAAAAAAAA4D8AAAAAAADgPwAAAAAAAOA/AAAAAAAA4D8AAAAAAADgPwAAAAAAAOA/AAAAAAAA4D8AAAAAAADgPwAAAAAAAOA/AAAAAAAA4D8CAAAAjAAAAAAAAAAAAAAARHLEDP///wgAAAAAAAAAAAAAAAAAAAAAAAAAAAAAAAAAAAAAZAAAAAEAAABAAAAAAAAAAAAAAAAAAAAAAAAAAAAAAAAAAAAAAAAAAAAAAAAAAAAAAAAAAAAAAAAAAAAAAAAAAAAAAAAAAAAAAAAAAAAAAAAAAAAAAAAAAAAAAAAAAAAAFAAAADwAAAAAAAAAAAAAAAAAAAkUAAAAAQAAABQAAAAUAAAAFAAAAAEAAAAAAAAAZAAAAGQAAAAAAAAAZAAAAGQAAAAVAAAAYAAAAAAAAAAAAAAADwAAACADAAAAAAAAAAAAAAEAAACgMgAAVgcAAKr4//8BAAAAf39/AAEAAABkAAAAAAAAABQAAABAHwAAAAAAACYAAAAAAAAAwOD//wAAAAAmAAAAZAAAABYAAABMAAAAAAAAAAAAAAAEAAAAAAAAAAEAAADn5uYKAAAAACgAAAAoAAAAZAAAAGQAAAAAAAAAzMzMAAAAAABQAAAAUAAAAGQAAABkAAAAAAAAABcAAAAUAAAAAAAAAAAAAAD/fwAA/38AAAAAAAAJAAAABAAAAAAAAAAeAAAAaAAAAAAAAAAAAAAAAAAAAAAAAAAAAAAAECcAABAnAAAAAAAAAAAAAAAAAAAAAAAAAAAAAAAAAAAAAAAAAAAAABQAAAAAAAAAwMD/AAAAAABkAAAAMgAAAAAAAABkAAAAAAAAAH9/fwAKAAAAIgAAABgAAAAAAAAAAAAAAAAAAAAAAAAAAAAAAAAAAAAkAAAAJAAAAAAAAAAHAAAAAAAAAAAAAAAAAAAAAAAAAAAAAAAAAAAAf39/ACUAAABYAAAAAAAAAAAAAAAAAAAAAAAAAAAAAAAAAAAAAAAAAAAAAAAAAAAAAAAAAAAAAAA/AAAAAAAAAKCGAQAAAAAAAAAAAAAAAAAMAAAAAQAAAAAAAAAAAAAAAAAAAB8AAABUAAAARHLEBf///wEAAAAAAAAAAAAAAAAAAAAAAAAAAAAAAAAAAAAAAAAAAAAAAAJ/f38A5+bmA8zMzADAwP8Af39/AAAAAAAAAAAAAAAAAAAAAAAAAAAAIQAAABgAAAAUAAAAKAUAADsLAADYRQAAACYAABAAAAAmAAAACAAAAAAAAAAAAAAAMAAAABQAAAAAAAAAAAD//wAAAQAAAP//AAABAA=="/>
+                <pr:smNativeData xmlns:mc="http://schemas.openxmlformats.org/markup-compatibility/2006" xmlns:p14="http://schemas.microsoft.com/office/powerpoint/2010/main" xmlns:p15="http://schemas.microsoft.com/office/powerpoint/2012/main" xmlns:pr="smNativeData" xmlns="smNativeData" val="SMDATA_16_xzE7ZxMAAAAlAAAAZAAAAA0AAAAAkAAAAEgAAACQAAAASAAAAAAAAAAAAAAAAAAAAAEAAABQAAAAAAAAAAAA4D8AAAAAAADgPwAAAAAAAOA/AAAAAAAA4D8AAAAAAADgPwAAAAAAAOA/AAAAAAAA4D8AAAAAAADgPwAAAAAAAOA/AAAAAAAA4D8CAAAAjAAAAAAAAAAAAAAARHLEDP///wgAAAAAAAAAAAAAAAAAAAAAAAAAAAAAAAAAAAAAZAAAAAEAAABAAAAAAAAAAAAAAAAAAAAAAAAAAAAAAAAAAAAAAAAAAAAAAAAAAAAAAAAAAAAAAAAAAAAAAAAAAAAAAAAAAAAAAAAAAAAAAAAAAAAAAAAAAAAAAAAAAAAAFAAAADwAAAAAAAAAAAAAAAAAAAkUAAAAAQAAABQAAAAUAAAAFAAAAAEAAAAAAAAAZAAAAGQAAAAAAAAAZAAAAGQAAAAVAAAAYAAAAAAAAAAAAAAADwAAACADAAAAAAAAAAAAAAEAAACgMgAAVgcAAKr4//8BAAAAf39/AAEAAABkAAAAAAAAABQAAABAHwAAAAAAACYAAAAAAAAAwOD//wAAAAAmAAAAZAAAABYAAABMAAAAAAAAAAAAAAAEAAAAAAAAAAEAAADn5uYKAAAAACgAAAAoAAAAZAAAAGQAAAAAAAAAzMzMAAAAAABQAAAAUAAAAGQAAABkAAAAAAAAABcAAAAUAAAAAAAAAAAAAAD/fwAA/38AAAAAAAAJAAAABAAAAMoAwx4eAAAAaAAAAAAAAAAAAAAAAAAAAAAAAAAAAAAAECcAABAnAAAAAAAAAAAAAAAAAAAAAAAAAAAAAAAAAAAAAAAAAAAAABQAAAAAAAAAwMD/AAAAAABkAAAAMgAAAAAAAABkAAAAAAAAAH9/fwAKAAAAIgAAABgAAAAAAAAAAAAAAAAAAAAAAAAAAAAAAAAAAAAkAAAAJAAAAAAAAAAHAAAAAAAAAAAAAAAAAAAAAAAAAAAAAAAAAAAAf39/ACUAAABYAAAAAAAAAAAAAAAAAAAAAAAAAAAAAAAAAAAAAAAAAAAAAAAAAAAAAAAAAAAAAAA/AAAAAAAAAKCGAQAAAAAAAAAAAAAAAAAMAAAAAQAAAAAAAAAAAAAAAAAAAB8AAABUAAAARHLEBf///wEAAAAAAAAAAAAAAAAAAAAAAAAAAAAAAAAAAAAAAAAAAAAAAAJ/f38A5+bmA8zMzADAwP8Af39/AAAAAAAAAAAAAAAAAAAAAAAAAAAAIQAAABgAAAAUAAAAKAUAADsLAADYRQAAACYAABAAAAAmAAAACAAAAAAAAAAAAAAAMAAAABQAAAAAAAAAAAD//wAAAQAAAP//AAABAA=="/>
               </a:ext>
             </a:extLst>
           </p:cNvSpPr>
@@ -5849,6 +5858,775 @@
             <a:pPr>
               <a:defRPr lang="ru-ru"/>
             </a:pPr>
+            <a:endParaRPr/>
+          </a:p>
+        </p:txBody>
+      </p:sp>
+      <p:pic>
+        <p:nvPicPr>
+          <p:cNvPr id="7" name="Рисунок 6">
+            <a:extLst>
+              <a:ext uri="{FF2B5EF4-FFF2-40B4-BE49-F238E27FC236}">
+                <a16:creationId xmlns:a16="http://schemas.microsoft.com/office/drawing/2014/main" id="{ACF3BADA-B563-0893-6407-5D1DDDE50679}"/>
+              </a:ext>
+            </a:extLst>
+          </p:cNvPr>
+          <p:cNvPicPr>
+            <a:picLocks noChangeAspect="1"/>
+          </p:cNvPicPr>
+          <p:nvPr/>
+        </p:nvPicPr>
+        <p:blipFill>
+          <a:blip r:embed="rId3"/>
+          <a:stretch>
+            <a:fillRect/>
+          </a:stretch>
+        </p:blipFill>
+        <p:spPr>
+          <a:xfrm>
+            <a:off x="6558266" y="3072384"/>
+            <a:ext cx="4942219" cy="3370961"/>
+          </a:xfrm>
+          <a:prstGeom prst="rect">
+            <a:avLst/>
+          </a:prstGeom>
+        </p:spPr>
+      </p:pic>
+      <p:pic>
+        <p:nvPicPr>
+          <p:cNvPr id="9" name="Рисунок 8">
+            <a:extLst>
+              <a:ext uri="{FF2B5EF4-FFF2-40B4-BE49-F238E27FC236}">
+                <a16:creationId xmlns:a16="http://schemas.microsoft.com/office/drawing/2014/main" id="{13050353-3C39-4DCB-80C5-2FDF9E6104F2}"/>
+              </a:ext>
+            </a:extLst>
+          </p:cNvPr>
+          <p:cNvPicPr>
+            <a:picLocks noChangeAspect="1"/>
+          </p:cNvPicPr>
+          <p:nvPr/>
+        </p:nvPicPr>
+        <p:blipFill>
+          <a:blip r:embed="rId4"/>
+          <a:stretch>
+            <a:fillRect/>
+          </a:stretch>
+        </p:blipFill>
+        <p:spPr>
+          <a:xfrm>
+            <a:off x="314896" y="2889504"/>
+            <a:ext cx="5538893" cy="3745992"/>
+          </a:xfrm>
+          <a:prstGeom prst="rect">
+            <a:avLst/>
+          </a:prstGeom>
+        </p:spPr>
+      </p:pic>
+    </p:spTree>
+  </p:cSld>
+  <p:clrMapOvr>
+    <a:masterClrMapping/>
+  </p:clrMapOvr>
+</p:sld>
+</file>
+
+<file path=ppt/slides/slide4.xml><?xml version="1.0" encoding="utf-8"?>
+<p:sld xmlns:a="http://schemas.openxmlformats.org/drawingml/2006/main" xmlns:r="http://schemas.openxmlformats.org/officeDocument/2006/relationships" xmlns:p="http://schemas.openxmlformats.org/presentationml/2006/main">
+  <p:cSld>
+    <p:spTree>
+      <p:nvGrpSpPr>
+        <p:cNvPr id="1" name=""/>
+        <p:cNvGrpSpPr/>
+        <p:nvPr/>
+      </p:nvGrpSpPr>
+      <p:grpSpPr>
+        <a:xfrm>
+          <a:off x="0" y="0"/>
+          <a:ext cx="0" cy="0"/>
+          <a:chOff x="0" y="0"/>
+          <a:chExt cx="0" cy="0"/>
+        </a:xfrm>
+      </p:grpSpPr>
+      <p:sp>
+        <p:nvSpPr>
+          <p:cNvPr id="2" name="Заголовок 1"/>
+          <p:cNvSpPr>
+            <a:spLocks noGrp="1" noChangeArrowheads="1"/>
+            <a:extLst>
+              <a:ext uri="smNativeData">
+                <pr:smNativeData xmlns:mc="http://schemas.openxmlformats.org/markup-compatibility/2006" xmlns:p14="http://schemas.microsoft.com/office/powerpoint/2010/main" xmlns:p15="http://schemas.microsoft.com/office/powerpoint/2012/main" xmlns:pr="smNativeData" xmlns="smNativeData" val="SMDATA_16_xzE7ZxMAAAAlAAAAZAAAAA0AAAAAkAAAAEgAAACQAAAASAAAAAAAAAABAAAAAAAAAAEAAABQAAAAAAAAAAAA4D8AAAAAAADgPwAAAAAAAOA/AAAAAAAA4D8AAAAAAADgPwAAAAAAAOA/AAAAAAAA4D8AAAAAAADgPwAAAAAAAOA/AAAAAAAA4D8CAAAAjAAAAAAAAAAAAAAARHLEDP///wgAAAAAAAAAAAAAAAAAAAAAAAAAAAAAAAAAAAAAZAAAAAEAAABAAAAAAAAAAAAAAAAAAAAAAAAAAAAAAAAAAAAAAAAAAAAAAAAAAAAAAAAAAAAAAAAAAAAAAAAAAAAAAAAAAAAAAAAAAAAAAAAAAAAAAAAAAAAAAAAAAAAAFAAAADwAAAAAAAAAAAAAAAAAAAkUAAAAAQAAABQAAAAUAAAAFAAAAAEAAAAAAAAAZAAAAGQAAAAAAAAAZAAAAGQAAAAVAAAAYAAAAAAAAAAAAAAADwAAACADAAAAAAAAAAAAAAEAAACgMgAAVgcAAKr4//8BAAAAf39/AAEAAABkAAAAAAAAABQAAABAHwAAAAAAACYAAAAAAAAAwOD//wAAAAAmAAAAZAAAABYAAABMAAAAAAAAAAAAAAAEAAAAAAAAAAEAAADn5uYKAAAAACgAAAAoAAAAZAAAAGQAAAAAAAAAzMzMAAAAAABQAAAAUAAAAGQAAABkAAAAAAAAABcAAAAUAAAAAAAAAAAAAAD/fwAA/38AAAAAAAAJAAAABAAAAAAAAAAeAAAAaAAAAAAAAAAAAAAAAAAAAAAAAAAAAAAAECcAABAnAAAAAAAAAAAAAAAAAAAAAAAAAAAAAAAAAAAAAAAAAAAAABQAAAAAAAAAwMD/AAAAAABkAAAAMgAAAAAAAABkAAAAAAAAAH9/fwAKAAAAIgAAABgAAAAAAAAAAAAAAAAAAAAAAAAAAAAAAAAAAAAkAAAAJAAAAAAAAAAHAAAAAAAAAAAAAAAAAAAAAAAAAAAAAAAAAAAAf39/ACUAAABYAAAAAAAAAAAAAAAAAAAAAAAAAAAAAAAAAAAAAAAAAAAAAAAAAAAAAAAAAAAAAAA/AAAAAAAAAKCGAQAAAAAAAAAAAAAAAAAMAAAAAQAAAAAAAAAAAAAAAAAAAB8AAABUAAAARHLEBf///wEAAAAAAAAAAAAAAAAAAAAAAAAAAAAAAAAAAAAAAAAAAAAAAAJ/f38A5+bmA8zMzADAwP8Af39/AAAAAAAAAAAAAAAAAAAAAAAAAAAAIQAAABgAAAAUAAAAKAUAAD8CAADYRQAAZwoAABAAAAAmAAAACAAAAAAAAAAAAAAAMAAAABQAAAAAAAAAAAD//wAAAQAAAP//AAABAA=="/>
+              </a:ext>
+            </a:extLst>
+          </p:cNvSpPr>
+          <p:nvPr>
+            <p:ph type="title"/>
+          </p:nvPr>
+        </p:nvSpPr>
+        <p:spPr/>
+        <p:txBody>
+          <a:bodyPr/>
+          <a:lstStyle/>
+          <a:p>
+            <a:pPr>
+              <a:defRPr lang="ru-ru"/>
+            </a:pPr>
+            <a:endParaRPr/>
+          </a:p>
+        </p:txBody>
+      </p:sp>
+      <p:sp>
+        <p:nvSpPr>
+          <p:cNvPr id="3" name="Объект 2"/>
+          <p:cNvSpPr>
+            <a:spLocks noGrp="1" noChangeArrowheads="1"/>
+            <a:extLst>
+              <a:ext uri="smNativeData">
+                <pr:smNativeData xmlns:mc="http://schemas.openxmlformats.org/markup-compatibility/2006" xmlns:p14="http://schemas.microsoft.com/office/powerpoint/2010/main" xmlns:p15="http://schemas.microsoft.com/office/powerpoint/2012/main" xmlns:pr="smNativeData" xmlns="smNativeData" val="SMDATA_16_xzE7ZxMAAAAlAAAAZAAAAA0AAAAAkAAAAEgAAACQAAAASAAAAAAAAAAAAAAAAAAAAAEAAABQAAAAAAAAAAAA4D8AAAAAAADgPwAAAAAAAOA/AAAAAAAA4D8AAAAAAADgPwAAAAAAAOA/AAAAAAAA4D8AAAAAAADgPwAAAAAAAOA/AAAAAAAA4D8CAAAAjAAAAAAAAAAAAAAARHLEDP///wgAAAAAAAAAAAAAAAAAAAAAAAAAAAAAAAAAAAAAZAAAAAEAAABAAAAAAAAAAAAAAAAAAAAAAAAAAAAAAAAAAAAAAAAAAAAAAAAAAAAAAAAAAAAAAAAAAAAAAAAAAAAAAAAAAAAAAAAAAAAAAAAAAAAAAAAAAAAAAAAAAAAAFAAAADwAAAAAAAAAAAAAAAAAAAkUAAAAAQAAABQAAAAUAAAAFAAAAAEAAAAAAAAAZAAAAGQAAAAAAAAAZAAAAGQAAAAVAAAAYAAAAAAAAAAAAAAADwAAACADAAAAAAAAAAAAAAEAAACgMgAAVgcAAKr4//8BAAAAf39/AAEAAABkAAAAAAAAABQAAABAHwAAAAAAACYAAAAAAAAAwOD//wAAAAAmAAAAZAAAABYAAABMAAAAAAAAAAAAAAAEAAAAAAAAAAEAAADn5uYKAAAAACgAAAAoAAAAZAAAAGQAAAAAAAAAzMzMAAAAAABQAAAAUAAAAGQAAABkAAAAAAAAABcAAAAUAAAAAAAAAAAAAAD/fwAA/38AAAAAAAAJAAAABAAAAAAAAAAeAAAAaAAAAAAAAAAAAAAAAAAAAAAAAAAAAAAAECcAABAnAAAAAAAAAAAAAAAAAAAAAAAAAAAAAAAAAAAAAAAAAAAAABQAAAAAAAAAwMD/AAAAAABkAAAAMgAAAAAAAABkAAAAAAAAAH9/fwAKAAAAIgAAABgAAAAAAAAAAAAAAAAAAAAAAAAAAAAAAAAAAAAkAAAAJAAAAAAAAAAHAAAAAAAAAAAAAAAAAAAAAAAAAAAAAAAAAAAAf39/ACUAAABYAAAAAAAAAAAAAAAAAAAAAAAAAAAAAAAAAAAAAAAAAAAAAAAAAAAAAAAAAAAAAAA/AAAAAAAAAKCGAQAAAAAAAAAAAAAAAAAMAAAAAQAAAAAAAAAAAAAAAAAAAB8AAABUAAAARHLEBf///wEAAAAAAAAAAAAAAAAAAAAAAAAAAAAAAAAAAAAAAAAAAAAAAAJ/f38A5+bmA8zMzADAwP8Af39/AAAAAAAAAAAAAAAAAAAAAAAAAAAAIQAAABgAAAAUAAAAKAUAADsLAADYRQAAACYAABAAAAAmAAAACAAAAAAAAAAAAAAAMAAAABQAAAAAAAAAAAD//wAAAQAAAP//AAABAA=="/>
+              </a:ext>
+            </a:extLst>
+          </p:cNvSpPr>
+          <p:nvPr>
+            <p:ph type="body" idx="1"/>
+          </p:nvPr>
+        </p:nvSpPr>
+        <p:spPr/>
+        <p:txBody>
+          <a:bodyPr/>
+          <a:lstStyle/>
+          <a:p>
+            <a:pPr>
+              <a:defRPr lang="ru-ru"/>
+            </a:pPr>
+            <a:endParaRPr/>
+          </a:p>
+        </p:txBody>
+      </p:sp>
+      <p:pic>
+        <p:nvPicPr>
+          <p:cNvPr id="7" name="Рисунок 6">
+            <a:extLst>
+              <a:ext uri="{FF2B5EF4-FFF2-40B4-BE49-F238E27FC236}">
+                <a16:creationId xmlns:a16="http://schemas.microsoft.com/office/drawing/2014/main" id="{190FD3DA-B3BC-1228-3872-409CDF467F1A}"/>
+              </a:ext>
+            </a:extLst>
+          </p:cNvPr>
+          <p:cNvPicPr>
+            <a:picLocks noChangeAspect="1"/>
+          </p:cNvPicPr>
+          <p:nvPr/>
+        </p:nvPicPr>
+        <p:blipFill>
+          <a:blip r:embed="rId2"/>
+          <a:stretch>
+            <a:fillRect/>
+          </a:stretch>
+        </p:blipFill>
+        <p:spPr>
+          <a:xfrm>
+            <a:off x="398145" y="663575"/>
+            <a:ext cx="4629150" cy="5829300"/>
+          </a:xfrm>
+          <a:prstGeom prst="rect">
+            <a:avLst/>
+          </a:prstGeom>
+        </p:spPr>
+      </p:pic>
+      <p:pic>
+        <p:nvPicPr>
+          <p:cNvPr id="9" name="Рисунок 8">
+            <a:extLst>
+              <a:ext uri="{FF2B5EF4-FFF2-40B4-BE49-F238E27FC236}">
+                <a16:creationId xmlns:a16="http://schemas.microsoft.com/office/drawing/2014/main" id="{5CE5490A-7FA4-CCBF-E2EA-0599F031155A}"/>
+              </a:ext>
+            </a:extLst>
+          </p:cNvPr>
+          <p:cNvPicPr>
+            <a:picLocks noChangeAspect="1"/>
+          </p:cNvPicPr>
+          <p:nvPr/>
+        </p:nvPicPr>
+        <p:blipFill>
+          <a:blip r:embed="rId3"/>
+          <a:stretch>
+            <a:fillRect/>
+          </a:stretch>
+        </p:blipFill>
+        <p:spPr>
+          <a:xfrm>
+            <a:off x="5467350" y="711200"/>
+            <a:ext cx="4581525" cy="5781675"/>
+          </a:xfrm>
+          <a:prstGeom prst="rect">
+            <a:avLst/>
+          </a:prstGeom>
+        </p:spPr>
+      </p:pic>
+    </p:spTree>
+  </p:cSld>
+  <p:clrMapOvr>
+    <a:masterClrMapping/>
+  </p:clrMapOvr>
+</p:sld>
+</file>
+
+<file path=ppt/slides/slide5.xml><?xml version="1.0" encoding="utf-8"?>
+<p:sld xmlns:a="http://schemas.openxmlformats.org/drawingml/2006/main" xmlns:r="http://schemas.openxmlformats.org/officeDocument/2006/relationships" xmlns:p="http://schemas.openxmlformats.org/presentationml/2006/main">
+  <p:cSld>
+    <p:spTree>
+      <p:nvGrpSpPr>
+        <p:cNvPr id="1" name=""/>
+        <p:cNvGrpSpPr/>
+        <p:nvPr/>
+      </p:nvGrpSpPr>
+      <p:grpSpPr>
+        <a:xfrm>
+          <a:off x="0" y="0"/>
+          <a:ext cx="0" cy="0"/>
+          <a:chOff x="0" y="0"/>
+          <a:chExt cx="0" cy="0"/>
+        </a:xfrm>
+      </p:grpSpPr>
+      <p:sp>
+        <p:nvSpPr>
+          <p:cNvPr id="2" name="Заголовок 1"/>
+          <p:cNvSpPr>
+            <a:spLocks noGrp="1" noChangeArrowheads="1"/>
+            <a:extLst>
+              <a:ext uri="smNativeData">
+                <pr:smNativeData xmlns:mc="http://schemas.openxmlformats.org/markup-compatibility/2006" xmlns:p14="http://schemas.microsoft.com/office/powerpoint/2010/main" xmlns:p15="http://schemas.microsoft.com/office/powerpoint/2012/main" xmlns:pr="smNativeData" xmlns="smNativeData" val="SMDATA_16_xzE7ZxMAAAAlAAAAZAAAAA0AAAAAkAAAAEgAAACQAAAASAAAAAAAAAABAAAAAAAAAAEAAABQAAAAAAAAAAAA4D8AAAAAAADgPwAAAAAAAOA/AAAAAAAA4D8AAAAAAADgPwAAAAAAAOA/AAAAAAAA4D8AAAAAAADgPwAAAAAAAOA/AAAAAAAA4D8CAAAAjAAAAAAAAAAAAAAARHLEDP///wgAAAAAAAAAAAAAAAAAAAAAAAAAAAAAAAAAAAAAZAAAAAEAAABAAAAAAAAAAAAAAAAAAAAAAAAAAAAAAAAAAAAAAAAAAAAAAAAAAAAAAAAAAAAAAAAAAAAAAAAAAAAAAAAAAAAAAAAAAAAAAAAAAAAAAAAAAAAAAAAAAAAAFAAAADwAAAAAAAAAAAAAAAAAAAkUAAAAAQAAABQAAAAUAAAAFAAAAAEAAAAAAAAAZAAAAGQAAAAAAAAAZAAAAGQAAAAVAAAAYAAAAAAAAAAAAAAADwAAACADAAAAAAAAAAAAAAEAAACgMgAAVgcAAKr4//8BAAAAf39/AAEAAABkAAAAAAAAABQAAABAHwAAAAAAACYAAAAAAAAAwOD//wAAAAAmAAAAZAAAABYAAABMAAAAAAAAAAAAAAAEAAAAAAAAAAEAAADn5uYKAAAAACgAAAAoAAAAZAAAAGQAAAAAAAAAzMzMAAAAAABQAAAAUAAAAGQAAABkAAAAAAAAABcAAAAUAAAAAAAAAAAAAAD/fwAA/38AAAAAAAAJAAAABAAAAPCmZ7seAAAAaAAAAAAAAAAAAAAAAAAAAAAAAAAAAAAAECcAABAnAAAAAAAAAAAAAAAAAAAAAAAAAAAAAAAAAAAAAAAAAAAAABQAAAAAAAAAwMD/AAAAAABkAAAAMgAAAAAAAABkAAAAAAAAAH9/fwAKAAAAIgAAABgAAAAAAAAAAAAAAAAAAAAAAAAAAAAAAAAAAAAkAAAAJAAAAAAAAAAHAAAAAAAAAAAAAAAAAAAAAAAAAAAAAAAAAAAAf39/ACUAAABYAAAAAAAAAAAAAAAAAAAAAAAAAAAAAAAAAAAAAAAAAAAAAAAAAAAAAAAAAAAAAAA/AAAAAAAAAKCGAQAAAAAAAAAAAAAAAAAMAAAAAQAAAAAAAAAAAAAAAAAAAB8AAABUAAAARHLEBf///wEAAAAAAAAAAAAAAAAAAAAAAAAAAAAAAAAAAAAAAAAAAAAAAAJ/f38A5+bmA8zMzADAwP8Af39/AAAAAAAAAAAAAAAAAAAAAAAAAAAAIQAAABgAAAAUAAAAKAUAAD8CAADYRQAAZwoAABAAAAAmAAAACAAAAAAAAAAAAAAAMAAAABQAAAAAAAAAAAD//wAAAQAAAP//AAABAA=="/>
+              </a:ext>
+            </a:extLst>
+          </p:cNvSpPr>
+          <p:nvPr>
+            <p:ph type="title"/>
+          </p:nvPr>
+        </p:nvSpPr>
+        <p:spPr/>
+        <p:txBody>
+          <a:bodyPr/>
+          <a:lstStyle/>
+          <a:p>
+            <a:pPr>
+              <a:defRPr lang="ru-ru"/>
+            </a:pPr>
+            <a:endParaRPr/>
+          </a:p>
+        </p:txBody>
+      </p:sp>
+      <p:sp>
+        <p:nvSpPr>
+          <p:cNvPr id="3" name="Объект 2"/>
+          <p:cNvSpPr>
+            <a:spLocks noGrp="1" noChangeArrowheads="1"/>
+            <a:extLst>
+              <a:ext uri="smNativeData">
+                <pr:smNativeData xmlns:mc="http://schemas.openxmlformats.org/markup-compatibility/2006" xmlns:p14="http://schemas.microsoft.com/office/powerpoint/2010/main" xmlns:p15="http://schemas.microsoft.com/office/powerpoint/2012/main" xmlns:pr="smNativeData" xmlns="smNativeData" val="SMDATA_16_xzE7ZxMAAAAlAAAAZAAAAA0AAAAAkAAAAEgAAACQAAAASAAAAAAAAAAAAAAAAAAAAAEAAABQAAAAAAAAAAAA4D8AAAAAAADgPwAAAAAAAOA/AAAAAAAA4D8AAAAAAADgPwAAAAAAAOA/AAAAAAAA4D8AAAAAAADgPwAAAAAAAOA/AAAAAAAA4D8CAAAAjAAAAAAAAAAAAAAARHLEDP///wgAAAAAAAAAAAAAAAAAAAAAAAAAAAAAAAAAAAAAZAAAAAEAAABAAAAAAAAAAAAAAAAAAAAAAAAAAAAAAAAAAAAAAAAAAAAAAAAAAAAAAAAAAAAAAAAAAAAAAAAAAAAAAAAAAAAAAAAAAAAAAAAAAAAAAAAAAAAAAAAAAAAAFAAAADwAAAAAAAAAAAAAAAAAAAkUAAAAAQAAABQAAAAUAAAAFAAAAAEAAAAAAAAAZAAAAGQAAAAAAAAAZAAAAGQAAAAVAAAAYAAAAAAAAAAAAAAADwAAACADAAAAAAAAAAAAAAEAAACgMgAAVgcAAKr4//8BAAAAf39/AAEAAABkAAAAAAAAABQAAABAHwAAAAAAACYAAAAAAAAAwOD//wAAAAAmAAAAZAAAABYAAABMAAAAAAAAAAAAAAAEAAAAAAAAAAEAAADn5uYKAAAAACgAAAAoAAAAZAAAAGQAAAAAAAAAzMzMAAAAAABQAAAAUAAAAGQAAABkAAAAAAAAABcAAAAUAAAAAAAAAAAAAAD/fwAA/38AAAAAAAAJAAAABAAAABAFBAAeAAAAaAAAAAAAAAAAAAAAAAAAAAAAAAAAAAAAECcAABAnAAAAAAAAAAAAAAAAAAAAAAAAAAAAAAAAAAAAAAAAAAAAABQAAAAAAAAAwMD/AAAAAABkAAAAMgAAAAAAAABkAAAAAAAAAH9/fwAKAAAAIgAAABgAAAAAAAAAAAAAAAAAAAAAAAAAAAAAAAAAAAAkAAAAJAAAAAAAAAAHAAAAAAAAAAAAAAAAAAAAAAAAAAAAAAAAAAAAf39/ACUAAABYAAAAAAAAAAAAAAAAAAAAAAAAAAAAAAAAAAAAAAAAAAAAAAAAAAAAAAAAAAAAAAA/AAAAAAAAAKCGAQAAAAAAAAAAAAAAAAAMAAAAAQAAAAAAAAAAAAAAAAAAAB8AAABUAAAARHLEBf///wEAAAAAAAAAAAAAAAAAAAAAAAAAAAAAAAAAAAAAAAAAAAAAAAJ/f38A5+bmA8zMzADAwP8Af39/AAAAAAAAAAAAAAAAAAAAAAAAAAAAIQAAABgAAAAUAAAAKAUAADsLAADYRQAAACYAABAAAAAmAAAACAAAAAAAAAAAAAAAMAAAABQAAAAAAAAAAAD//wAAAQAAAP//AAABAA=="/>
+              </a:ext>
+            </a:extLst>
+          </p:cNvSpPr>
+          <p:nvPr>
+            <p:ph type="body" idx="1"/>
+          </p:nvPr>
+        </p:nvSpPr>
+        <p:spPr/>
+        <p:txBody>
+          <a:bodyPr/>
+          <a:lstStyle/>
+          <a:p>
+            <a:pPr>
+              <a:defRPr lang="ru-ru"/>
+            </a:pPr>
+            <a:endParaRPr/>
+          </a:p>
+        </p:txBody>
+      </p:sp>
+    </p:spTree>
+  </p:cSld>
+  <p:clrMapOvr>
+    <a:masterClrMapping/>
+  </p:clrMapOvr>
+</p:sld>
+</file>
+
+<file path=ppt/slides/slide6.xml><?xml version="1.0" encoding="utf-8"?>
+<p:sld xmlns:a="http://schemas.openxmlformats.org/drawingml/2006/main" xmlns:r="http://schemas.openxmlformats.org/officeDocument/2006/relationships" xmlns:p="http://schemas.openxmlformats.org/presentationml/2006/main">
+  <p:cSld>
+    <p:spTree>
+      <p:nvGrpSpPr>
+        <p:cNvPr id="1" name=""/>
+        <p:cNvGrpSpPr/>
+        <p:nvPr/>
+      </p:nvGrpSpPr>
+      <p:grpSpPr>
+        <a:xfrm>
+          <a:off x="0" y="0"/>
+          <a:ext cx="0" cy="0"/>
+          <a:chOff x="0" y="0"/>
+          <a:chExt cx="0" cy="0"/>
+        </a:xfrm>
+      </p:grpSpPr>
+      <p:sp>
+        <p:nvSpPr>
+          <p:cNvPr id="2" name="Заголовок 1"/>
+          <p:cNvSpPr>
+            <a:spLocks noGrp="1" noChangeArrowheads="1"/>
+            <a:extLst>
+              <a:ext uri="smNativeData">
+                <pr:smNativeData xmlns:mc="http://schemas.openxmlformats.org/markup-compatibility/2006" xmlns:p14="http://schemas.microsoft.com/office/powerpoint/2010/main" xmlns:p15="http://schemas.microsoft.com/office/powerpoint/2012/main" xmlns:pr="smNativeData" xmlns="smNativeData" val="SMDATA_16_xzE7ZxMAAAAlAAAAZAAAAA0AAAAAkAAAAEgAAACQAAAASAAAAAAAAAABAAAAAAAAAAEAAABQAAAAAAAAAAAA4D8AAAAAAADgPwAAAAAAAOA/AAAAAAAA4D8AAAAAAADgPwAAAAAAAOA/AAAAAAAA4D8AAAAAAADgPwAAAAAAAOA/AAAAAAAA4D8CAAAAjAAAAAAAAAAAAAAARHLEDP///wgAAAAAAAAAAAAAAAAAAAAAAAAAAAAAAAAAAAAAZAAAAAEAAABAAAAAAAAAAAAAAAAAAAAAAAAAAAAAAAAAAAAAAAAAAAAAAAAAAAAAAAAAAAAAAAAAAAAAAAAAAAAAAAAAAAAAAAAAAAAAAAAAAAAAAAAAAAAAAAAAAAAAFAAAADwAAAAAAAAAAAAAAAAAAAkUAAAAAQAAABQAAAAUAAAAFAAAAAEAAAAAAAAAZAAAAGQAAAAAAAAAZAAAAGQAAAAVAAAAYAAAAAAAAAAAAAAADwAAACADAAAAAAAAAAAAAAEAAACgMgAAVgcAAKr4//8BAAAAf39/AAEAAABkAAAAAAAAABQAAABAHwAAAAAAACYAAAAAAAAAwOD//wAAAAAmAAAAZAAAABYAAABMAAAAAAAAAAAAAAAEAAAAAAAAAAEAAADn5uYKAAAAACgAAAAoAAAAZAAAAGQAAAAAAAAAzMzMAAAAAABQAAAAUAAAAGQAAABkAAAAAAAAABcAAAAUAAAAAAAAAAAAAAD/fwAA/38AAAAAAAAJAAAABAAAANCabbseAAAAaAAAAAAAAAAAAAAAAAAAAAAAAAAAAAAAECcAABAnAAAAAAAAAAAAAAAAAAAAAAAAAAAAAAAAAAAAAAAAAAAAABQAAAAAAAAAwMD/AAAAAABkAAAAMgAAAAAAAABkAAAAAAAAAH9/fwAKAAAAIgAAABgAAAAAAAAAAAAAAAAAAAAAAAAAAAAAAAAAAAAkAAAAJAAAAAAAAAAHAAAAAAAAAAAAAAAAAAAAAAAAAAAAAAAAAAAAf39/ACUAAABYAAAAAAAAAAAAAAAAAAAAAAAAAAAAAAAAAAAAAAAAAAAAAAAAAAAAAAAAAAAAAAA/AAAAAAAAAKCGAQAAAAAAAAAAAAAAAAAMAAAAAQAAAAAAAAAAAAAAAAAAAB8AAABUAAAARHLEBf///wEAAAAAAAAAAAAAAAAAAAAAAAAAAAAAAAAAAAAAAAAAAAAAAAJ/f38A5+bmA8zMzADAwP8Af39/AAAAAAAAAAAAAAAAAAAAAAAAAAAAIQAAABgAAAAUAAAAKAUAAD8CAADYRQAAUwYAABAAAAAmAAAACAAAAAEgAAAAAAAAMAAAABQAAAAAAAAAAAD//wAAAQAAAP//AAABAA=="/>
+              </a:ext>
+            </a:extLst>
+          </p:cNvSpPr>
+          <p:nvPr>
+            <p:ph type="title"/>
+          </p:nvPr>
+        </p:nvSpPr>
+        <p:spPr>
+          <a:xfrm>
+            <a:off x="838200" y="365125"/>
+            <a:ext cx="10515600" cy="662940"/>
+          </a:xfrm>
+        </p:spPr>
+        <p:txBody>
+          <a:bodyPr vert="horz" wrap="square" lIns="91440" tIns="45720" rIns="91440" bIns="45720" numCol="1" spcCol="215900" anchor="ctr">
+            <a:prstTxWarp prst="textNoShape">
+              <a:avLst/>
+            </a:prstTxWarp>
+          </a:bodyPr>
+          <a:lstStyle/>
+          <a:p>
+            <a:pPr>
+              <a:spcBef>
+                <a:spcPts val="0"/>
+              </a:spcBef>
+              <a:defRPr lang="ru-ru" sz="3960" cap="none"/>
+            </a:pPr>
+            <a:endParaRPr lang="en-us" cap="none" dirty="0"/>
+          </a:p>
+        </p:txBody>
+      </p:sp>
+      <p:sp>
+        <p:nvSpPr>
+          <p:cNvPr id="3" name="Объект 2"/>
+          <p:cNvSpPr>
+            <a:spLocks noGrp="1" noChangeArrowheads="1"/>
+            <a:extLst>
+              <a:ext uri="smNativeData">
+                <pr:smNativeData xmlns:mc="http://schemas.openxmlformats.org/markup-compatibility/2006" xmlns:p14="http://schemas.microsoft.com/office/powerpoint/2010/main" xmlns:p15="http://schemas.microsoft.com/office/powerpoint/2012/main" xmlns:pr="smNativeData" xmlns="smNativeData" val="SMDATA_16_xzE7ZxMAAAAlAAAAZAAAAA0AAAAAkAAAAEgAAACQAAAASAAAAAAAAAAAAAAAAAAAAAEAAABQAAAAAAAAAAAA4D8AAAAAAADgPwAAAAAAAOA/AAAAAAAA4D8AAAAAAADgPwAAAAAAAOA/AAAAAAAA4D8AAAAAAADgPwAAAAAAAOA/AAAAAAAA4D8CAAAAjAAAAAAAAAAAAAAARHLEDP///wgAAAAAAAAAAAAAAAAAAAAAAAAAAAAAAAAAAAAAZAAAAAEAAABAAAAAAAAAAAAAAAAAAAAAAAAAAAAAAAAAAAAAAAAAAAAAAAAAAAAAAAAAAAAAAAAAAAAAAAAAAAAAAAAAAAAAAAAAAAAAAAAAAAAAAAAAAAAAAAAAAAAAFAAAADwAAAAAAAAAAAAAAAAAAAkUAAAAAQAAABQAAAAUAAAAFAAAAAEAAAAAAAAAZAAAAGQAAAAAAAAAZAAAAGQAAAAVAAAAYAAAAAAAAAAAAAAADwAAACADAAAAAAAAAAAAAAEAAACgMgAAVgcAAKr4//8BAAAAf39/AAEAAABkAAAAAAAAABQAAABAHwAAAAAAACYAAAAAAAAAwOD//wAAAAAmAAAAZAAAABYAAABMAAAAAAAAAAAAAAAEAAAAAAAAAAEAAADn5uYKAAAAACgAAAAoAAAAZAAAAGQAAAAAAAAAzMzMAAAAAABQAAAAUAAAAGQAAABkAAAAAAAAABcAAAAUAAAAAAAAAAAAAAD/fwAA/38AAAAAAAAJAAAABAAAAAAAAAAeAAAAaAAAAAAAAAAAAAAAAAAAAAAAAAAAAAAAECcAABAnAAAAAAAAAAAAAAAAAAAAAAAAAAAAAAAAAAAAAAAAAAAAABQAAAAAAAAAwMD/AAAAAABkAAAAMgAAAAAAAABkAAAAAAAAAH9/fwAKAAAAIgAAABgAAAAAAAAAAAAAAAAAAAAAAAAAAAAAAAAAAAAkAAAAJAAAAAAAAAAHAAAAAAAAAAAAAAAAAAAAAAAAAAAAAAAAAAAAf39/ACUAAABYAAAAAAAAAAAAAAAAAAAAAAAAAAAAAAAAAAAAAAAAAAAAAAAAAAAAAAAAAAAAAAA/AAAAAAAAAKCGAQAAAAAAAAAAAAAAAAAMAAAAAQAAAAAAAAAAAAAAAAAAAB8AAABUAAAARHLEBf///wEAAAAAAAAAAAAAAAAAAAAAAAAAAAAAAAAAAAAAAAAAAAAAAAJ/f38A5+bmA8zMzADAwP8Af39/AAAAAAAAAAAAAAAAAAAAAAAAAAAAIQAAABgAAAAUAAAAKAUAADsLAADYRQAAACYAABAAAAAmAAAACAAAAAAAAAAAAAAAMAAAABQAAAAAAAAAAAD//wAAAQAAAP//AAABAA=="/>
+              </a:ext>
+            </a:extLst>
+          </p:cNvSpPr>
+          <p:nvPr>
+            <p:ph type="body" idx="1"/>
+          </p:nvPr>
+        </p:nvSpPr>
+        <p:spPr/>
+        <p:txBody>
+          <a:bodyPr/>
+          <a:lstStyle/>
+          <a:p>
+            <a:pPr>
+              <a:defRPr lang="ru-ru"/>
+            </a:pPr>
+            <a:endParaRPr/>
+          </a:p>
+        </p:txBody>
+      </p:sp>
+      <p:pic>
+        <p:nvPicPr>
+          <p:cNvPr id="6" name="Рисунок 5">
+            <a:extLst>
+              <a:ext uri="{FF2B5EF4-FFF2-40B4-BE49-F238E27FC236}">
+                <a16:creationId xmlns:a16="http://schemas.microsoft.com/office/drawing/2014/main" id="{9BD78120-32BC-8819-A22D-34D5E6AFF7B7}"/>
+              </a:ext>
+            </a:extLst>
+          </p:cNvPr>
+          <p:cNvPicPr>
+            <a:picLocks noChangeAspect="1"/>
+          </p:cNvPicPr>
+          <p:nvPr/>
+        </p:nvPicPr>
+        <p:blipFill>
+          <a:blip r:embed="rId2"/>
+          <a:stretch>
+            <a:fillRect/>
+          </a:stretch>
+        </p:blipFill>
+        <p:spPr>
+          <a:xfrm>
+            <a:off x="205359" y="863600"/>
+            <a:ext cx="5124450" cy="5629275"/>
+          </a:xfrm>
+          <a:prstGeom prst="rect">
+            <a:avLst/>
+          </a:prstGeom>
+        </p:spPr>
+      </p:pic>
+    </p:spTree>
+  </p:cSld>
+  <p:clrMapOvr>
+    <a:masterClrMapping/>
+  </p:clrMapOvr>
+</p:sld>
+</file>
+
+<file path=ppt/slides/slide7.xml><?xml version="1.0" encoding="utf-8"?>
+<p:sld xmlns:a="http://schemas.openxmlformats.org/drawingml/2006/main" xmlns:r="http://schemas.openxmlformats.org/officeDocument/2006/relationships" xmlns:p="http://schemas.openxmlformats.org/presentationml/2006/main">
+  <p:cSld>
+    <p:spTree>
+      <p:nvGrpSpPr>
+        <p:cNvPr id="1" name=""/>
+        <p:cNvGrpSpPr/>
+        <p:nvPr/>
+      </p:nvGrpSpPr>
+      <p:grpSpPr>
+        <a:xfrm>
+          <a:off x="0" y="0"/>
+          <a:ext cx="0" cy="0"/>
+          <a:chOff x="0" y="0"/>
+          <a:chExt cx="0" cy="0"/>
+        </a:xfrm>
+      </p:grpSpPr>
+      <p:sp>
+        <p:nvSpPr>
+          <p:cNvPr id="2" name="Заголовок 1"/>
+          <p:cNvSpPr>
+            <a:spLocks noGrp="1" noChangeArrowheads="1"/>
+            <a:extLst>
+              <a:ext uri="smNativeData">
+                <pr:smNativeData xmlns:mc="http://schemas.openxmlformats.org/markup-compatibility/2006" xmlns:p14="http://schemas.microsoft.com/office/powerpoint/2010/main" xmlns:p15="http://schemas.microsoft.com/office/powerpoint/2012/main" xmlns:pr="smNativeData" xmlns="smNativeData" val="SMDATA_16_xzE7ZxMAAAAlAAAAZAAAAA0AAAAAkAAAAEgAAACQAAAASAAAAAAAAAABAAAAAAAAAAEAAABQAAAAAAAAAAAA4D8AAAAAAADgPwAAAAAAAOA/AAAAAAAA4D8AAAAAAADgPwAAAAAAAOA/AAAAAAAA4D8AAAAAAADgPwAAAAAAAOA/AAAAAAAA4D8CAAAAjAAAAAAAAAAAAAAARHLEDP///wgAAAAAAAAAAAAAAAAAAAAAAAAAAAAAAAAAAAAAZAAAAAEAAABAAAAAAAAAAAAAAAAAAAAAAAAAAAAAAAAAAAAAAAAAAAAAAAAAAAAAAAAAAAAAAAAAAAAAAAAAAAAAAAAAAAAAAAAAAAAAAAAAAAAAAAAAAAAAAAAAAAAAFAAAADwAAAAAAAAAAAAAAAAAAAkUAAAAAQAAABQAAAAUAAAAFAAAAAEAAAAAAAAAZAAAAGQAAAAAAAAAZAAAAGQAAAAVAAAAYAAAAAAAAAAAAAAADwAAACADAAAAAAAAAAAAAAEAAACgMgAAVgcAAKr4//8BAAAAf39/AAEAAABkAAAAAAAAABQAAABAHwAAAAAAACYAAAAAAAAAwOD//wAAAAAmAAAAZAAAABYAAABMAAAAAAAAAAAAAAAEAAAAAAAAAAEAAADn5uYKAAAAACgAAAAoAAAAZAAAAGQAAAAAAAAAzMzMAAAAAABQAAAAUAAAAGQAAABkAAAAAAAAABcAAAAUAAAAAAAAAAAAAAD/fwAA/38AAAAAAAAJAAAABAAAAAAAAAAeAAAAaAAAAAAAAAAAAAAAAAAAAAAAAAAAAAAAECcAABAnAAAAAAAAAAAAAAAAAAAAAAAAAAAAAAAAAAAAAAAAAAAAABQAAAAAAAAAwMD/AAAAAABkAAAAMgAAAAAAAABkAAAAAAAAAH9/fwAKAAAAIgAAABgAAAAAAAAAAAAAAAAAAAAAAAAAAAAAAAAAAAAkAAAAJAAAAAAAAAAHAAAAAAAAAAAAAAAAAAAAAAAAAAAAAAAAAAAAf39/ACUAAABYAAAAAAAAAAAAAAAAAAAAAAAAAAAAAAAAAAAAAAAAAAAAAAAAAAAAAAAAAAAAAAA/AAAAAAAAAKCGAQAAAAAAAAAAAAAAAAAMAAAAAQAAAAAAAAAAAAAAAAAAAB8AAABUAAAARHLEBf///wEAAAAAAAAAAAAAAAAAAAAAAAAAAAAAAAAAAAAAAAAAAAAAAAJ/f38A5+bmA8zMzADAwP8Af39/AAAAAAAAAAAAAAAAAAAAAAAAAAAAIQAAABgAAAAUAAAAKAUAAD8CAADYRQAAZwoAABAAAAAmAAAACAAAAAAAAAAAAAAAMAAAABQAAAAAAAAAAAD//wAAAQAAAP//AAABAA=="/>
+              </a:ext>
+            </a:extLst>
+          </p:cNvSpPr>
+          <p:nvPr>
+            <p:ph type="title"/>
+          </p:nvPr>
+        </p:nvSpPr>
+        <p:spPr/>
+        <p:txBody>
+          <a:bodyPr/>
+          <a:lstStyle/>
+          <a:p>
+            <a:pPr>
+              <a:defRPr lang="ru-ru"/>
+            </a:pPr>
+            <a:r>
+              <a:rPr lang="en-US" dirty="0"/>
+              <a:t>R</a:t>
+            </a:r>
+            <a:r>
+              <a:rPr dirty="0" err="1"/>
+              <a:t>es</a:t>
+            </a:r>
+            <a:r>
+              <a:rPr lang="en-US" dirty="0" err="1"/>
+              <a:t>idual_ch</a:t>
+            </a:r>
+            <a:endParaRPr dirty="0"/>
+          </a:p>
+        </p:txBody>
+      </p:sp>
+      <p:sp>
+        <p:nvSpPr>
+          <p:cNvPr id="3" name="Объект 2"/>
+          <p:cNvSpPr>
+            <a:spLocks noGrp="1" noChangeArrowheads="1"/>
+            <a:extLst>
+              <a:ext uri="smNativeData">
+                <pr:smNativeData xmlns:mc="http://schemas.openxmlformats.org/markup-compatibility/2006" xmlns:p14="http://schemas.microsoft.com/office/powerpoint/2010/main" xmlns:p15="http://schemas.microsoft.com/office/powerpoint/2012/main" xmlns:pr="smNativeData" xmlns="smNativeData" val="SMDATA_16_xzE7ZxMAAAAlAAAAZAAAAA0AAAAAkAAAAEgAAACQAAAASAAAAAAAAAAAAAAAAAAAAAEAAABQAAAAAAAAAAAA4D8AAAAAAADgPwAAAAAAAOA/AAAAAAAA4D8AAAAAAADgPwAAAAAAAOA/AAAAAAAA4D8AAAAAAADgPwAAAAAAAOA/AAAAAAAA4D8CAAAAjAAAAAAAAAAAAAAARHLEDP///wgAAAAAAAAAAAAAAAAAAAAAAAAAAAAAAAAAAAAAZAAAAAEAAABAAAAAAAAAAAAAAAAAAAAAAAAAAAAAAAAAAAAAAAAAAAAAAAAAAAAAAAAAAAAAAAAAAAAAAAAAAAAAAAAAAAAAAAAAAAAAAAAAAAAAAAAAAAAAAAAAAAAAFAAAADwAAAAAAAAAAAAAAAAAAAkUAAAAAQAAABQAAAAUAAAAFAAAAAEAAAAAAAAAZAAAAGQAAAAAAAAAZAAAAGQAAAAVAAAAYAAAAAAAAAAAAAAADwAAACADAAAAAAAAAAAAAAEAAACgMgAAVgcAAKr4//8BAAAAf39/AAEAAABkAAAAAAAAABQAAABAHwAAAAAAACYAAAAAAAAAwOD//wAAAAAmAAAAZAAAABYAAABMAAAAAAAAAAAAAAAEAAAAAAAAAAEAAADn5uYKAAAAACgAAAAoAAAAZAAAAGQAAAAAAAAAzMzMAAAAAABQAAAAUAAAAGQAAABkAAAAAAAAABcAAAAUAAAAAAAAAAAAAAD/fwAA/38AAAAAAAAJAAAABAAAAAAAAAAeAAAAaAAAAAAAAAAAAAAAAAAAAAAAAAAAAAAAECcAABAnAAAAAAAAAAAAAAAAAAAAAAAAAAAAAAAAAAAAAAAAAAAAABQAAAAAAAAAwMD/AAAAAABkAAAAMgAAAAAAAABkAAAAAAAAAH9/fwAKAAAAIgAAABgAAAAAAAAAAAAAAAAAAAAAAAAAAAAAAAAAAAAkAAAAJAAAAAAAAAAHAAAAAAAAAAAAAAAAAAAAAAAAAAAAAAAAAAAAf39/ACUAAABYAAAAAAAAAAAAAAAAAAAAAAAAAAAAAAAAAAAAAAAAAAAAAAAAAAAAAAAAAAAAAAA/AAAAAAAAAKCGAQAAAAAAAAAAAAAAAAAMAAAAAQAAAAAAAAAAAAAAAAAAAB8AAABUAAAARHLEBf///wEAAAAAAAAAAAAAAAAAAAAAAAAAAAAAAAAAAAAAAAAAAAAAAAJ/f38A5+bmA8zMzADAwP8Af39/AAAAAAAAAAAAAAAAAAAAAAAAAAAAIQAAABgAAAAUAAAAKAUAADsLAADYRQAAACYAABAAAAAmAAAACAAAAAAAAAAAAAAAMAAAABQAAAAAAAAAAAD//wAAAQAAAP//AAABAA=="/>
+              </a:ext>
+            </a:extLst>
+          </p:cNvSpPr>
+          <p:nvPr>
+            <p:ph type="body" idx="1"/>
+          </p:nvPr>
+        </p:nvSpPr>
+        <p:spPr/>
+        <p:txBody>
+          <a:bodyPr/>
+          <a:lstStyle/>
+          <a:p>
+            <a:pPr>
+              <a:defRPr lang="ru-ru"/>
+            </a:pPr>
+            <a:endParaRPr/>
+          </a:p>
+        </p:txBody>
+      </p:sp>
+      <p:pic>
+        <p:nvPicPr>
+          <p:cNvPr id="7" name="Рисунок 6">
+            <a:extLst>
+              <a:ext uri="{FF2B5EF4-FFF2-40B4-BE49-F238E27FC236}">
+                <a16:creationId xmlns:a16="http://schemas.microsoft.com/office/drawing/2014/main" id="{5C1B018C-6425-B817-87C7-299F22D5BD03}"/>
+              </a:ext>
+            </a:extLst>
+          </p:cNvPr>
+          <p:cNvPicPr>
+            <a:picLocks noChangeAspect="1"/>
+          </p:cNvPicPr>
+          <p:nvPr/>
+        </p:nvPicPr>
+        <p:blipFill>
+          <a:blip r:embed="rId3"/>
+          <a:stretch>
+            <a:fillRect/>
+          </a:stretch>
+        </p:blipFill>
+        <p:spPr>
+          <a:xfrm>
+            <a:off x="295275" y="1691005"/>
+            <a:ext cx="5372421" cy="3691255"/>
+          </a:xfrm>
+          <a:prstGeom prst="rect">
+            <a:avLst/>
+          </a:prstGeom>
+        </p:spPr>
+      </p:pic>
+      <p:pic>
+        <p:nvPicPr>
+          <p:cNvPr id="9" name="Рисунок 8">
+            <a:extLst>
+              <a:ext uri="{FF2B5EF4-FFF2-40B4-BE49-F238E27FC236}">
+                <a16:creationId xmlns:a16="http://schemas.microsoft.com/office/drawing/2014/main" id="{B22126BC-62CF-B5DE-3A41-DEEE3CBB5FF4}"/>
+              </a:ext>
+            </a:extLst>
+          </p:cNvPr>
+          <p:cNvPicPr>
+            <a:picLocks noChangeAspect="1"/>
+          </p:cNvPicPr>
+          <p:nvPr/>
+        </p:nvPicPr>
+        <p:blipFill>
+          <a:blip r:embed="rId4"/>
+          <a:stretch>
+            <a:fillRect/>
+          </a:stretch>
+        </p:blipFill>
+        <p:spPr>
+          <a:xfrm>
+            <a:off x="5993359" y="1602740"/>
+            <a:ext cx="5903366" cy="4026535"/>
+          </a:xfrm>
+          <a:prstGeom prst="rect">
+            <a:avLst/>
+          </a:prstGeom>
+        </p:spPr>
+      </p:pic>
+    </p:spTree>
+  </p:cSld>
+  <p:clrMapOvr>
+    <a:masterClrMapping/>
+  </p:clrMapOvr>
+</p:sld>
+</file>
+
+<file path=ppt/slides/slide8.xml><?xml version="1.0" encoding="utf-8"?>
+<p:sld xmlns:a="http://schemas.openxmlformats.org/drawingml/2006/main" xmlns:r="http://schemas.openxmlformats.org/officeDocument/2006/relationships" xmlns:p="http://schemas.openxmlformats.org/presentationml/2006/main">
+  <p:cSld>
+    <p:spTree>
+      <p:nvGrpSpPr>
+        <p:cNvPr id="1" name=""/>
+        <p:cNvGrpSpPr/>
+        <p:nvPr/>
+      </p:nvGrpSpPr>
+      <p:grpSpPr>
+        <a:xfrm>
+          <a:off x="0" y="0"/>
+          <a:ext cx="0" cy="0"/>
+          <a:chOff x="0" y="0"/>
+          <a:chExt cx="0" cy="0"/>
+        </a:xfrm>
+      </p:grpSpPr>
+      <p:sp>
+        <p:nvSpPr>
+          <p:cNvPr id="2" name="Заголовок 1"/>
+          <p:cNvSpPr>
+            <a:spLocks noGrp="1" noChangeArrowheads="1"/>
+            <a:extLst>
+              <a:ext uri="smNativeData">
+                <pr:smNativeData xmlns:mc="http://schemas.openxmlformats.org/markup-compatibility/2006" xmlns:p14="http://schemas.microsoft.com/office/powerpoint/2010/main" xmlns:p15="http://schemas.microsoft.com/office/powerpoint/2012/main" xmlns:pr="smNativeData" xmlns="smNativeData" val="SMDATA_16_xzE7ZxMAAAAlAAAAZAAAAA0AAAAAkAAAAEgAAACQAAAASAAAAAAAAAABAAAAAAAAAAEAAABQAAAAAAAAAAAA4D8AAAAAAADgPwAAAAAAAOA/AAAAAAAA4D8AAAAAAADgPwAAAAAAAOA/AAAAAAAA4D8AAAAAAADgPwAAAAAAAOA/AAAAAAAA4D8CAAAAjAAAAAAAAAAAAAAARHLEDP///wgAAAAAAAAAAAAAAAAAAAAAAAAAAAAAAAAAAAAAZAAAAAEAAABAAAAAAAAAAAAAAAAAAAAAAAAAAAAAAAAAAAAAAAAAAAAAAAAAAAAAAAAAAAAAAAAAAAAAAAAAAAAAAAAAAAAAAAAAAAAAAAAAAAAAAAAAAAAAAAAAAAAAFAAAADwAAAAAAAAAAAAAAAAAAAkUAAAAAQAAABQAAAAUAAAAFAAAAAEAAAAAAAAAZAAAAGQAAAAAAAAAZAAAAGQAAAAVAAAAYAAAAAAAAAAAAAAADwAAACADAAAAAAAAAAAAAAEAAACgMgAAVgcAAKr4//8BAAAAf39/AAEAAABkAAAAAAAAABQAAABAHwAAAAAAACYAAAAAAAAAwOD//wAAAAAmAAAAZAAAABYAAABMAAAAAAAAAAAAAAAEAAAAAAAAAAEAAADn5uYKAAAAACgAAAAoAAAAZAAAAGQAAAAAAAAAzMzMAAAAAABQAAAAUAAAAGQAAABkAAAAAAAAABcAAAAUAAAAAAAAAAAAAAD/fwAA/38AAAAAAAAJAAAABAAAAAAAAAAeAAAAaAAAAAAAAAAAAAAAAAAAAAAAAAAAAAAAECcAABAnAAAAAAAAAAAAAAAAAAAAAAAAAAAAAAAAAAAAAAAAAAAAABQAAAAAAAAAwMD/AAAAAABkAAAAMgAAAAAAAABkAAAAAAAAAH9/fwAKAAAAIgAAABgAAAAAAAAAAAAAAAAAAAAAAAAAAAAAAAAAAAAkAAAAJAAAAAAAAAAHAAAAAAAAAAAAAAAAAAAAAAAAAAAAAAAAAAAAf39/ACUAAABYAAAAAAAAAAAAAAAAAAAAAAAAAAAAAAAAAAAAAAAAAAAAAAAAAAAAAAAAAAAAAAA/AAAAAAAAAKCGAQAAAAAAAAAAAAAAAAAMAAAAAQAAAAAAAAAAAAAAAAAAAB8AAABUAAAARHLEBf///wEAAAAAAAAAAAAAAAAAAAAAAAAAAAAAAAAAAAAAAAAAAAAAAAJ/f38A5+bmA8zMzADAwP8Af39/AAAAAAAAAAAAAAAAAAAAAAAAAAAAIQAAABgAAAAUAAAAKAUAAD8CAADYRQAAZwoAABAAAAAmAAAACAAAAAAAAAAAAAAAMAAAABQAAAAAAAAAAAD//wAAAQAAAP//AAABAA=="/>
+              </a:ext>
+            </a:extLst>
+          </p:cNvSpPr>
+          <p:nvPr>
+            <p:ph type="title"/>
+          </p:nvPr>
+        </p:nvSpPr>
+        <p:spPr/>
+        <p:txBody>
+          <a:bodyPr/>
+          <a:lstStyle/>
+          <a:p>
+            <a:pPr>
+              <a:defRPr lang="ru-ru"/>
+            </a:pPr>
+            <a:endParaRPr/>
+          </a:p>
+        </p:txBody>
+      </p:sp>
+      <p:sp>
+        <p:nvSpPr>
+          <p:cNvPr id="3" name="Объект 2"/>
+          <p:cNvSpPr>
+            <a:spLocks noGrp="1" noChangeArrowheads="1"/>
+            <a:extLst>
+              <a:ext uri="smNativeData">
+                <pr:smNativeData xmlns:mc="http://schemas.openxmlformats.org/markup-compatibility/2006" xmlns:p14="http://schemas.microsoft.com/office/powerpoint/2010/main" xmlns:p15="http://schemas.microsoft.com/office/powerpoint/2012/main" xmlns:pr="smNativeData" xmlns="smNativeData" val="SMDATA_16_xzE7ZxMAAAAlAAAAZAAAAA0AAAAAkAAAAEgAAACQAAAASAAAAAAAAAAAAAAAAAAAAAEAAABQAAAAAAAAAAAA4D8AAAAAAADgPwAAAAAAAOA/AAAAAAAA4D8AAAAAAADgPwAAAAAAAOA/AAAAAAAA4D8AAAAAAADgPwAAAAAAAOA/AAAAAAAA4D8CAAAAjAAAAAAAAAAAAAAARHLEDP///wgAAAAAAAAAAAAAAAAAAAAAAAAAAAAAAAAAAAAAZAAAAAEAAABAAAAAAAAAAAAAAAAAAAAAAAAAAAAAAAAAAAAAAAAAAAAAAAAAAAAAAAAAAAAAAAAAAAAAAAAAAAAAAAAAAAAAAAAAAAAAAAAAAAAAAAAAAAAAAAAAAAAAFAAAADwAAAAAAAAAAAAAAAAAAAkUAAAAAQAAABQAAAAUAAAAFAAAAAEAAAAAAAAAZAAAAGQAAAAAAAAAZAAAAGQAAAAVAAAAYAAAAAAAAAAAAAAADwAAACADAAAAAAAAAAAAAAEAAACgMgAAVgcAAKr4//8BAAAAf39/AAEAAABkAAAAAAAAABQAAABAHwAAAAAAACYAAAAAAAAAwOD//wAAAAAmAAAAZAAAABYAAABMAAAAAAAAAAAAAAAEAAAAAAAAAAEAAADn5uYKAAAAACgAAAAoAAAAZAAAAGQAAAAAAAAAzMzMAAAAAABQAAAAUAAAAGQAAABkAAAAAAAAABcAAAAUAAAAAAAAAAAAAAD/fwAA/38AAAAAAAAJAAAABAAAAAAAAAAeAAAAaAAAAAAAAAAAAAAAAAAAAAAAAAAAAAAAECcAABAnAAAAAAAAAAAAAAAAAAAAAAAAAAAAAAAAAAAAAAAAAAAAABQAAAAAAAAAwMD/AAAAAABkAAAAMgAAAAAAAABkAAAAAAAAAH9/fwAKAAAAIgAAABgAAAAAAAAAAAAAAAAAAAAAAAAAAAAAAAAAAAAkAAAAJAAAAAAAAAAHAAAAAAAAAAAAAAAAAAAAAAAAAAAAAAAAAAAAf39/ACUAAABYAAAAAAAAAAAAAAAAAAAAAAAAAAAAAAAAAAAAAAAAAAAAAAAAAAAAAAAAAAAAAAA/AAAAAAAAAKCGAQAAAAAAAAAAAAAAAAAMAAAAAQAAAAAAAAAAAAAAAAAAAB8AAABUAAAARHLEBf///wEAAAAAAAAAAAAAAAAAAAAAAAAAAAAAAAAAAAAAAAAAAAAAAAJ/f38A5+bmA8zMzADAwP8Af39/AAAAAAAAAAAAAAAAAAAAAAAAAAAAIQAAABgAAAAUAAAAKAUAADsLAADYRQAAACYAABAAAAAmAAAACAAAAAAAAAAAAAAAMAAAABQAAAAAAAAAAAD//wAAAQAAAP//AAABAA=="/>
+              </a:ext>
+            </a:extLst>
+          </p:cNvSpPr>
+          <p:nvPr>
+            <p:ph type="body" idx="1"/>
+          </p:nvPr>
+        </p:nvSpPr>
+        <p:spPr/>
+        <p:txBody>
+          <a:bodyPr/>
+          <a:lstStyle/>
+          <a:p>
+            <a:pPr>
+              <a:defRPr lang="ru-ru"/>
+            </a:pPr>
+            <a:endParaRPr/>
+          </a:p>
+        </p:txBody>
+      </p:sp>
+      <p:pic>
+        <p:nvPicPr>
+          <p:cNvPr id="7" name="Рисунок 6">
+            <a:extLst>
+              <a:ext uri="{FF2B5EF4-FFF2-40B4-BE49-F238E27FC236}">
+                <a16:creationId xmlns:a16="http://schemas.microsoft.com/office/drawing/2014/main" id="{F6CFC4C8-1DF1-17D1-5C6C-2769509BF111}"/>
+              </a:ext>
+            </a:extLst>
+          </p:cNvPr>
+          <p:cNvPicPr>
+            <a:picLocks noChangeAspect="1"/>
+          </p:cNvPicPr>
+          <p:nvPr/>
+        </p:nvPicPr>
+        <p:blipFill>
+          <a:blip r:embed="rId2"/>
+          <a:stretch>
+            <a:fillRect/>
+          </a:stretch>
+        </p:blipFill>
+        <p:spPr>
+          <a:xfrm>
+            <a:off x="5913120" y="763524"/>
+            <a:ext cx="4572000" cy="5772150"/>
+          </a:xfrm>
+          <a:prstGeom prst="rect">
+            <a:avLst/>
+          </a:prstGeom>
+        </p:spPr>
+      </p:pic>
+      <p:pic>
+        <p:nvPicPr>
+          <p:cNvPr id="9" name="Рисунок 8">
+            <a:extLst>
+              <a:ext uri="{FF2B5EF4-FFF2-40B4-BE49-F238E27FC236}">
+                <a16:creationId xmlns:a16="http://schemas.microsoft.com/office/drawing/2014/main" id="{612FA11A-D336-5A2C-2CF2-F429056F3F8A}"/>
+              </a:ext>
+            </a:extLst>
+          </p:cNvPr>
+          <p:cNvPicPr>
+            <a:picLocks noChangeAspect="1"/>
+          </p:cNvPicPr>
+          <p:nvPr/>
+        </p:nvPicPr>
+        <p:blipFill>
+          <a:blip r:embed="rId3"/>
+          <a:stretch>
+            <a:fillRect/>
+          </a:stretch>
+        </p:blipFill>
+        <p:spPr>
+          <a:xfrm>
+            <a:off x="838200" y="734949"/>
+            <a:ext cx="4600575" cy="5800725"/>
+          </a:xfrm>
+          <a:prstGeom prst="rect">
+            <a:avLst/>
+          </a:prstGeom>
+        </p:spPr>
+      </p:pic>
+    </p:spTree>
+  </p:cSld>
+  <p:clrMapOvr>
+    <a:masterClrMapping/>
+  </p:clrMapOvr>
+</p:sld>
+</file>
+
+<file path=ppt/slides/slide9.xml><?xml version="1.0" encoding="utf-8"?>
+<p:sld xmlns:a="http://schemas.openxmlformats.org/drawingml/2006/main" xmlns:r="http://schemas.openxmlformats.org/officeDocument/2006/relationships" xmlns:p="http://schemas.openxmlformats.org/presentationml/2006/main">
+  <p:cSld>
+    <p:spTree>
+      <p:nvGrpSpPr>
+        <p:cNvPr id="1" name=""/>
+        <p:cNvGrpSpPr/>
+        <p:nvPr/>
+      </p:nvGrpSpPr>
+      <p:grpSpPr>
+        <a:xfrm>
+          <a:off x="0" y="0"/>
+          <a:ext cx="0" cy="0"/>
+          <a:chOff x="0" y="0"/>
+          <a:chExt cx="0" cy="0"/>
+        </a:xfrm>
+      </p:grpSpPr>
+      <p:sp>
+        <p:nvSpPr>
+          <p:cNvPr id="2" name="Заголовок 1"/>
+          <p:cNvSpPr>
+            <a:spLocks noGrp="1" noChangeArrowheads="1"/>
+            <a:extLst>
+              <a:ext uri="smNativeData">
+                <pr:smNativeData xmlns:mc="http://schemas.openxmlformats.org/markup-compatibility/2006" xmlns:p14="http://schemas.microsoft.com/office/powerpoint/2010/main" xmlns:p15="http://schemas.microsoft.com/office/powerpoint/2012/main" xmlns:pr="smNativeData" xmlns="smNativeData" val="SMDATA_16_xzE7ZxMAAAAlAAAAZAAAAA0AAAAAkAAAAEgAAACQAAAASAAAAAAAAAABAAAAAAAAAAEAAABQAAAAAAAAAAAA4D8AAAAAAADgPwAAAAAAAOA/AAAAAAAA4D8AAAAAAADgPwAAAAAAAOA/AAAAAAAA4D8AAAAAAADgPwAAAAAAAOA/AAAAAAAA4D8CAAAAjAAAAAAAAAAAAAAARHLEDP///wgAAAAAAAAAAAAAAAAAAAAAAAAAAAAAAAAAAAAAZAAAAAEAAABAAAAAAAAAAAAAAAAAAAAAAAAAAAAAAAAAAAAAAAAAAAAAAAAAAAAAAAAAAAAAAAAAAAAAAAAAAAAAAAAAAAAAAAAAAAAAAAAAAAAAAAAAAAAAAAAAAAAAFAAAADwAAAAAAAAAAAAAAAAAAAkUAAAAAQAAABQAAAAUAAAAFAAAAAEAAAAAAAAAZAAAAGQAAAAAAAAAZAAAAGQAAAAVAAAAYAAAAAAAAAAAAAAADwAAACADAAAAAAAAAAAAAAEAAACgMgAAVgcAAKr4//8BAAAAf39/AAEAAABkAAAAAAAAABQAAABAHwAAAAAAACYAAAAAAAAAwOD//wAAAAAmAAAAZAAAABYAAABMAAAAAAAAAAAAAAAEAAAAAAAAAAEAAADn5uYKAAAAACgAAAAoAAAAZAAAAGQAAAAAAAAAzMzMAAAAAABQAAAAUAAAAGQAAABkAAAAAAAAABcAAAAUAAAAAAAAAAAAAAD/fwAA/38AAAAAAAAJAAAABAAAAAAAAAAeAAAAaAAAAAAAAAAAAAAAAAAAAAAAAAAAAAAAECcAABAnAAAAAAAAAAAAAAAAAAAAAAAAAAAAAAAAAAAAAAAAAAAAABQAAAAAAAAAwMD/AAAAAABkAAAAMgAAAAAAAABkAAAAAAAAAH9/fwAKAAAAIgAAABgAAAAAAAAAAAAAAAAAAAAAAAAAAAAAAAAAAAAkAAAAJAAAAAAAAAAHAAAAAAAAAAAAAAAAAAAAAAAAAAAAAAAAAAAAf39/ACUAAABYAAAAAAAAAAAAAAAAAAAAAAAAAAAAAAAAAAAAAAAAAAAAAAAAAAAAAAAAAAAAAAA/AAAAAAAAAKCGAQAAAAAAAAAAAAAAAAAMAAAAAQAAAAAAAAAAAAAAAAAAAB8AAABUAAAARHLEBf///wEAAAAAAAAAAAAAAAAAAAAAAAAAAAAAAAAAAAAAAAAAAAAAAAJ/f38A5+bmA8zMzADAwP8Af39/AAAAAAAAAAAAAAAAAAAAAAAAAAAAIQAAABgAAAAUAAAAKAUAAD8CAADYRQAAZwoAABAAAAAmAAAACAAAAAAAAAAAAAAAMAAAABQAAAAAAAAAAAD//wAAAQAAAP//AAABAA=="/>
+              </a:ext>
+            </a:extLst>
+          </p:cNvSpPr>
+          <p:nvPr>
+            <p:ph type="title"/>
+          </p:nvPr>
+        </p:nvSpPr>
+        <p:spPr/>
+        <p:txBody>
+          <a:bodyPr/>
+          <a:lstStyle/>
+          <a:p>
+            <a:pPr>
+              <a:defRPr lang="ru-ru"/>
+            </a:pPr>
+            <a:endParaRPr/>
+          </a:p>
+        </p:txBody>
+      </p:sp>
+      <p:sp>
+        <p:nvSpPr>
+          <p:cNvPr id="3" name="Объект 2"/>
+          <p:cNvSpPr>
+            <a:spLocks noGrp="1" noChangeArrowheads="1"/>
+            <a:extLst>
+              <a:ext uri="smNativeData">
+                <pr:smNativeData xmlns:mc="http://schemas.openxmlformats.org/markup-compatibility/2006" xmlns:p14="http://schemas.microsoft.com/office/powerpoint/2010/main" xmlns:p15="http://schemas.microsoft.com/office/powerpoint/2012/main" xmlns:pr="smNativeData" xmlns="smNativeData" val="SMDATA_16_xzE7ZxMAAAAlAAAAZAAAAA0AAAAAkAAAAEgAAACQAAAASAAAAAAAAAAAAAAAAAAAAAEAAABQAAAAAAAAAAAA4D8AAAAAAADgPwAAAAAAAOA/AAAAAAAA4D8AAAAAAADgPwAAAAAAAOA/AAAAAAAA4D8AAAAAAADgPwAAAAAAAOA/AAAAAAAA4D8CAAAAjAAAAAAAAAAAAAAARHLEDP///wgAAAAAAAAAAAAAAAAAAAAAAAAAAAAAAAAAAAAAZAAAAAEAAABAAAAAAAAAAAAAAAAAAAAAAAAAAAAAAAAAAAAAAAAAAAAAAAAAAAAAAAAAAAAAAAAAAAAAAAAAAAAAAAAAAAAAAAAAAAAAAAAAAAAAAAAAAAAAAAAAAAAAFAAAADwAAAAAAAAAAAAAAAAAAAkUAAAAAQAAABQAAAAUAAAAFAAAAAEAAAAAAAAAZAAAAGQAAAAAAAAAZAAAAGQAAAAVAAAAYAAAAAAAAAAAAAAADwAAACADAAAAAAAAAAAAAAEAAACgMgAAVgcAAKr4//8BAAAAf39/AAEAAABkAAAAAAAAABQAAABAHwAAAAAAACYAAAAAAAAAwOD//wAAAAAmAAAAZAAAABYAAABMAAAAAAAAAAAAAAAEAAAAAAAAAAEAAADn5uYKAAAAACgAAAAoAAAAZAAAAGQAAAAAAAAAzMzMAAAAAABQAAAAUAAAAGQAAABkAAAAAAAAABcAAAAUAAAAAAAAAAAAAAD/fwAA/38AAAAAAAAJAAAABAAAAAAAAAAeAAAAaAAAAAAAAAAAAAAAAAAAAAAAAAAAAAAAECcAABAnAAAAAAAAAAAAAAAAAAAAAAAAAAAAAAAAAAAAAAAAAAAAABQAAAAAAAAAwMD/AAAAAABkAAAAMgAAAAAAAABkAAAAAAAAAH9/fwAKAAAAIgAAABgAAAAAAAAAAAAAAAAAAAAAAAAAAAAAAAAAAAAkAAAAJAAAAAAAAAAHAAAAAAAAAAAAAAAAAAAAAAAAAAAAAAAAAAAAf39/ACUAAABYAAAAAAAAAAAAAAAAAAAAAAAAAAAAAAAAAAAAAAAAAAAAAAAAAAAAAAAAAAAAAAA/AAAAAAAAAKCGAQAAAAAAAAAAAAAAAAAMAAAAAQAAAAAAAAAAAAAAAAAAAB8AAABUAAAARHLEBf///wEAAAAAAAAAAAAAAAAAAAAAAAAAAAAAAAAAAAAAAAAAAAAAAAJ/f38A5+bmA8zMzADAwP8Af39/AAAAAAAAAAAAAAAAAAAAAAAAAAAAIQAAABgAAAAUAAAAKAUAADsLAADYRQAAACYAABAAAAAmAAAACAAAAAAAAAAAAAAAMAAAABQAAAAAAAAAAAD//wAAAQAAAP//AAABAA=="/>
+              </a:ext>
+            </a:extLst>
+          </p:cNvSpPr>
+          <p:nvPr>
+            <p:ph type="body" idx="1"/>
+          </p:nvPr>
+        </p:nvSpPr>
+        <p:spPr/>
+        <p:txBody>
+          <a:bodyPr/>
+          <a:lstStyle/>
+          <a:p>
+            <a:pPr>
+              <a:defRPr lang="ru-ru"/>
+            </a:pPr>
+            <a:endParaRPr/>
           </a:p>
         </p:txBody>
       </p:sp>
@@ -5859,7 +6637,7 @@
             <a:picLocks noChangeAspect="1"/>
             <a:extLst>
               <a:ext uri="smNativeData">
-                <pr:smNativeData xmlns:pr="smNativeData" xmlns="smNativeData" val="SMDATA_18_xzE7ZxMAAAAlAAAAEQAAAC0AAAAAkAAAAEgAAACQAAAASAAAAAAAAAAAAAAAAAAAAAEAAABQAAAAAAAAAAAA4D8AAAAAAADgPwAAAAAAAOA/AAAAAAAA4D8AAAAAAADgPwAAAAAAAOA/AAAAAAAA4D8AAAAAAADgPwAAAAAAAOA/AAAAAAAA4D8CAAAAjAAAAAAAAAAAAAAARHLEDP///wgAAAAAAAAAAAAAAAAAAAAAAAAAAAAAAAAAAAAAZAAAAAEAAABAAAAAAAAAAAAAAAAAAAAAAAAAAAAAAAAAAAAAAAAAAAAAAAAAAAAAAAAAAAAAAAAAAAAAAAAAAAAAAAAAAAAAAAAAAAAAAAAAAAAAAAAAAAAAAAAAAAAAFAAAADwAAAAAAAAAAAAAAAAAAAkUAAAAAQAAABQAAAAUAAAAFAAAAAEAAAAAAAAAZAAAAGQAAAAAAAAAZAAAAGQAAAAVAAAAYAAAAAAAAAAAAAAADwAAACADAAAAAAAAAAAAAAEAAACgMgAAVgcAAKr4//8BAAAAf39/AAEAAABkAAAAAAAAABQAAABAHwAAAAAAACYAAAAAAAAAwOD//wAAAAAmAAAAZAAAABYAAABMAAAAAAAAAAAAAAAEAAAAAAAAAAEAAADn5uYKAAAAACgAAAAoAAAAZAAAAGQAAAAAAAAAzMzMAAAAAABQAAAAUAAAAGQAAABkAAAAAAAAAAcAAAA4AAAAAAAAAAAAAAAAAAAA////AAAAAAAAAAAAAAAAAAAAAAAAAAAAAAAAAAAAAABkAAAAZAAAAAAAAAAjAAAABAAAAGQAAAAXAAAAFAAAAAAAAAAAAAAA/38AAP9/AAAAAAAACQAAAAQAAAD/////HgAAAGgAAAAAAAAAAAAAAAAAAAAAAAAAAAAAABAnAAAQJwAAAAAAAAAAAAAAAAAAAAAAAAAAAAAAAAAAAAAAAAAAAAAUAAAAAAAAAMDA/wAAAAAAZAAAADIAAAAAAAAAZAAAAAAAAAB/f38ACgAAACIAAAAYAAAAAAAAAAAAAAAAAAAAAAAAAAAAAAAAAAAAJAAAACQAAAAAAAAABwAAAAAAAAAAAAAAAAAAAAAAAAAAAAAAAAAAAH9/fwAlAAAAWAAAAAAAAAAAAAAAAAAAAAAAAAAAAAAAAAAAAAAAAAAAAAAAAAAAAAAAAAAAAAAAPwAAAAAAAACghgEAAAAAAAAAAAAAAAAADAAAAAEAAAAAAAAAAAAAAAAAAAAfAAAAVAAAAERyxAX///8BAAAAAAAAAAAAAAAAAAAAAAAAAAAAAAAAAAAAAAAAAAAAAAACf39/AOfm5gPMzMwAwMD/AH9/fwAAAAAAAAAAAAAAAAD///8AAAAAACEAAAAYAAAAFAAAAAAAAABpDAAAHCQAAPEnAAAQAAAAJgAAAAgAAAD//////////zAAAAAUAAAAAAAAAAAA//8AAAEAAAD//wAAAQA="/>
+                <pr:smNativeData xmlns:mc="http://schemas.openxmlformats.org/markup-compatibility/2006" xmlns:p14="http://schemas.microsoft.com/office/powerpoint/2010/main" xmlns:p15="http://schemas.microsoft.com/office/powerpoint/2012/main" xmlns:pr="smNativeData" xmlns="smNativeData" val="SMDATA_18_xzE7ZxMAAAAlAAAAEQAAAC0AAAAAkAAAAEgAAACQAAAASAAAAAAAAAAAAAAAAAAAAAEAAABQAAAAAAAAAAAA4D8AAAAAAADgPwAAAAAAAOA/AAAAAAAA4D8AAAAAAADgPwAAAAAAAOA/AAAAAAAA4D8AAAAAAADgPwAAAAAAAOA/AAAAAAAA4D8CAAAAjAAAAAAAAAAAAAAARHLEDP///wgAAAAAAAAAAAAAAAAAAAAAAAAAAAAAAAAAAAAAZAAAAAEAAABAAAAAAAAAAAAAAAAAAAAAAAAAAAAAAAAAAAAAAAAAAAAAAAAAAAAAAAAAAAAAAAAAAAAAAAAAAAAAAAAAAAAAAAAAAAAAAAAAAAAAAAAAAAAAAAAAAAAAFAAAADwAAAAAAAAAAAAAAAAAAAkUAAAAAQAAABQAAAAUAAAAFAAAAAEAAAAAAAAAZAAAAGQAAAAAAAAAZAAAAGQAAAAVAAAAYAAAAAAAAAAAAAAADwAAACADAAAAAAAAAAAAAAEAAACgMgAAVgcAAKr4//8BAAAAf39/AAEAAABkAAAAAAAAABQAAABAHwAAAAAAACYAAAAAAAAAwOD//wAAAAAmAAAAZAAAABYAAABMAAAAAAAAAAAAAAAEAAAAAAAAAAEAAADn5uYKAAAAACgAAAAoAAAAZAAAAGQAAAAAAAAAzMzMAAAAAABQAAAAUAAAAGQAAABkAAAAAAAAAAcAAAA4AAAAAAAAAAAAAAAAAAAA////AAAAAAAAAAAAAAAAAAAAAAAAAAAAAAAAAAAAAABkAAAAZAAAAAAAAAAjAAAABAAAAGQAAAAXAAAAFAAAAAAAAAAAAAAA/38AAP9/AAAAAAAACQAAAAQAAAD/////HgAAAGgAAAAAAAAAAAAAAAAAAAAAAAAAAAAAABAnAAAQJwAAAAAAAAAAAAAAAAAAAAAAAAAAAAAAAAAAAAAAAAAAAAAUAAAAAAAAAMDA/wAAAAAAZAAAADIAAAAAAAAAZAAAAAAAAAB/f38ACgAAACIAAAAYAAAAAAAAAAAAAAAAAAAAAAAAAAAAAAAAAAAAJAAAACQAAAAAAAAABwAAAAAAAAAAAAAAAAAAAAAAAAAAAAAAAAAAAH9/fwAlAAAAWAAAAAAAAAAAAAAAAAAAAAAAAAAAAAAAAAAAAAAAAAAAAAAAAAAAAAAAAAAAAAAAPwAAAAAAAACghgEAAAAAAAAAAAAAAAAADAAAAAEAAAAAAAAAAAAAAAAAAAAfAAAAVAAAAERyxAX///8BAAAAAAAAAAAAAAAAAAAAAAAAAAAAAAAAAAAAAAAAAAAAAAACf39/AOfm5gPMzMwAwMD/AH9/fwAAAAAAAAAAAAAAAAD///8AAAAAACEAAAAYAAAAFAAAAAAAAABpDAAAHCQAAPEnAAAQAAAAJgAAAAgAAAD//////////zAAAAAUAAAAAAAAAAAA//8AAAEAAAD//wAAAQA="/>
               </a:ext>
             </a:extLst>
           </p:cNvPicPr>
@@ -5893,7 +6671,7 @@
             <a:picLocks noChangeAspect="1"/>
             <a:extLst>
               <a:ext uri="smNativeData">
-                <pr:smNativeData xmlns:pr="smNativeData" xmlns="smNativeData" val="SMDATA_18_xzE7ZxMAAAAlAAAAEQAAAC0AAAAAkAAAAEgAAACQAAAASAAAAAAAAAAAAAAAAAAAAAEAAABQAAAAAAAAAAAA4D8AAAAAAADgPwAAAAAAAOA/AAAAAAAA4D8AAAAAAADgPwAAAAAAAOA/AAAAAAAA4D8AAAAAAADgPwAAAAAAAOA/AAAAAAAA4D8CAAAAjAAAAAAAAAAAAAAARHLEDP///wgAAAAAAAAAAAAAAAAAAAAAAAAAAAAAAAAAAAAAZAAAAAEAAABAAAAAAAAAAAAAAAAAAAAAAAAAAAAAAAAAAAAAAAAAAAAAAAAAAAAAAAAAAAAAAAAAAAAAAAAAAAAAAAAAAAAAAAAAAAAAAAAAAAAAAAAAAAAAAAAAAAAAFAAAADwAAAAAAAAAAAAAAAAAAAkUAAAAAQAAABQAAAAUAAAAFAAAAAEAAAAAAAAAZAAAAGQAAAAAAAAAZAAAAGQAAAAVAAAAYAAAAAAAAAAAAAAADwAAACADAAAAAAAAAAAAAAEAAACgMgAAVgcAAKr4//8BAAAAf39/AAEAAABkAAAAAAAAABQAAABAHwAAAAAAACYAAAAAAAAAwOD//wAAAAAmAAAAZAAAABYAAABMAAAAAAAAAAAAAAAEAAAAAAAAAAEAAADn5uYKAAAAACgAAAAoAAAAZAAAAGQAAAAAAAAAzMzMAAAAAABQAAAAUAAAAGQAAABkAAAAAAAAAAcAAAA4AAAAAAAAAAAAAAAAAAAA////AAAAAAAAAAAAAAAAAAAAAAAAAAAAAAAAAAAAAABkAAAAZAAAAAAAAAAjAAAABAAAAGQAAAAXAAAAFAAAAAAAAAAAAAAA/38AAP9/AAAAAAAACQAAAAQAAAD/////HgAAAGgAAAAAAAAAAAAAAAAAAAAAAAAAAAAAABAnAAAQJwAAAAAAAAAAAAAAAAAAAAAAAAAAAAAAAAAAAAAAAAAAAAAUAAAAAAAAAMDA/wAAAAAAZAAAADIAAAAAAAAAZAAAAAAAAAB/f38ACgAAACIAAAAYAAAAAAAAAAAAAAAAAAAAAAAAAAAAAAAAAAAAJAAAACQAAAAAAAAABwAAAAAAAAAAAAAAAAAAAAAAAAAAAAAAAAAAAH9/fwAlAAAAWAAAAAAAAAAAAAAAAAAAAAAAAAAAAAAAAAAAAAAAAAAAAAAAAAAAAAAAAAAAAAAAPwAAAAAAAACghgEAAAAAAAAAAAAAAAAADAAAAAEAAAAAAAAAAAAAAAAAAAAfAAAAVAAAAERyxAX///8BAAAAAAAAAAAAAAAAAAAAAAAAAAAAAAAAAAAAAAAAAAAAAAACf39/AOfm5gPMzMwAwMD/AH9/fwAAAAAAAAAAAAAAAAD///8AAAAAACEAAAAYAAAAFAAAABwkAAB7EwAAVEgAAC0nAAAQAAAAJgAAAAgAAAD//////////zAAAAAUAAAAAAAAAAAA//8AAAEAAAD//wAAAQA="/>
+                <pr:smNativeData xmlns:mc="http://schemas.openxmlformats.org/markup-compatibility/2006" xmlns:p14="http://schemas.microsoft.com/office/powerpoint/2010/main" xmlns:p15="http://schemas.microsoft.com/office/powerpoint/2012/main" xmlns:pr="smNativeData" xmlns="smNativeData" val="SMDATA_18_xzE7ZxMAAAAlAAAAEQAAAC0AAAAAkAAAAEgAAACQAAAASAAAAAAAAAAAAAAAAAAAAAEAAABQAAAAAAAAAAAA4D8AAAAAAADgPwAAAAAAAOA/AAAAAAAA4D8AAAAAAADgPwAAAAAAAOA/AAAAAAAA4D8AAAAAAADgPwAAAAAAAOA/AAAAAAAA4D8CAAAAjAAAAAAAAAAAAAAARHLEDP///wgAAAAAAAAAAAAAAAAAAAAAAAAAAAAAAAAAAAAAZAAAAAEAAABAAAAAAAAAAAAAAAAAAAAAAAAAAAAAAAAAAAAAAAAAAAAAAAAAAAAAAAAAAAAAAAAAAAAAAAAAAAAAAAAAAAAAAAAAAAAAAAAAAAAAAAAAAAAAAAAAAAAAFAAAADwAAAAAAAAAAAAAAAAAAAkUAAAAAQAAABQAAAAUAAAAFAAAAAEAAAAAAAAAZAAAAGQAAAAAAAAAZAAAAGQAAAAVAAAAYAAAAAAAAAAAAAAADwAAACADAAAAAAAAAAAAAAEAAACgMgAAVgcAAKr4//8BAAAAf39/AAEAAABkAAAAAAAAABQAAABAHwAAAAAAACYAAAAAAAAAwOD//wAAAAAmAAAAZAAAABYAAABMAAAAAAAAAAAAAAAEAAAAAAAAAAEAAADn5uYKAAAAACgAAAAoAAAAZAAAAGQAAAAAAAAAzMzMAAAAAABQAAAAUAAAAGQAAABkAAAAAAAAAAcAAAA4AAAAAAAAAAAAAAAAAAAA////AAAAAAAAAAAAAAAAAAAAAAAAAAAAAAAAAAAAAABkAAAAZAAAAAAAAAAjAAAABAAAAGQAAAAXAAAAFAAAAAAAAAAAAAAA/38AAP9/AAAAAAAACQAAAAQAAAD/////HgAAAGgAAAAAAAAAAAAAAAAAAAAAAAAAAAAAABAnAAAQJwAAAAAAAAAAAAAAAAAAAAAAAAAAAAAAAAAAAAAAAAAAAAAUAAAAAAAAAMDA/wAAAAAAZAAAADIAAAAAAAAAZAAAAAAAAAB/f38ACgAAACIAAAAYAAAAAAAAAAAAAAAAAAAAAAAAAAAAAAAAAAAAJAAAACQAAAAAAAAABwAAAAAAAAAAAAAAAAAAAAAAAAAAAAAAAAAAAH9/fwAlAAAAWAAAAAAAAAAAAAAAAAAAAAAAAAAAAAAAAAAAAAAAAAAAAAAAAAAAAAAAAAAAAAAAPwAAAAAAAACghgEAAAAAAAAAAAAAAAAADAAAAAEAAAAAAAAAAAAAAAAAAAAfAAAAVAAAAERyxAX///8BAAAAAAAAAAAAAAAAAAAAAAAAAAAAAAAAAAAAAAAAAAAAAAACf39/AOfm5gPMzMwAwMD/AH9/fwAAAAAAAAAAAAAAAAD///8AAAAAACEAAAAYAAAAFAAAABwkAAB7EwAAVEgAAC0nAAAQAAAAJgAAAAgAAAD//////////zAAAAAUAAAAAAAAAAAA//8AAAEAAAD//wAAAQA="/>
               </a:ext>
             </a:extLst>
           </p:cNvPicPr>
@@ -5925,1114 +6703,6 @@
   <p:clrMapOvr>
     <a:masterClrMapping/>
   </p:clrMapOvr>
-  <p:timing>
-    <p:tnLst>
-      <p:par>
-        <p:cTn id="1" dur="indefinite" restart="never" nodeType="tmRoot"/>
-      </p:par>
-    </p:tnLst>
-  </p:timing>
-</p:sld>
-</file>
-
-<file path=ppt/slides/slide12.xml><?xml version="1.0" encoding="utf-8"?>
-<p:sld xmlns:p="http://schemas.openxmlformats.org/presentationml/2006/main" xmlns:mc="http://schemas.openxmlformats.org/markup-compatibility/2006" xmlns:p14="http://schemas.microsoft.com/office/powerpoint/2010/main" xmlns:p15="http://schemas.microsoft.com/office/powerpoint/2012/main" xmlns:r="http://schemas.openxmlformats.org/officeDocument/2006/relationships" xmlns:a="http://schemas.openxmlformats.org/drawingml/2006/main" mc:Ignorable="p14">
-  <p:cSld>
-    <p:spTree>
-      <p:nvGrpSpPr>
-        <p:cNvPr id="1" name=""/>
-        <p:cNvGrpSpPr/>
-        <p:nvPr/>
-      </p:nvGrpSpPr>
-      <p:grpSpPr>
-        <a:xfrm>
-          <a:off x="0" y="0"/>
-          <a:ext cx="0" cy="0"/>
-          <a:chOff x="0" y="0"/>
-          <a:chExt cx="0" cy="0"/>
-        </a:xfrm>
-      </p:grpSpPr>
-      <p:sp>
-        <p:nvSpPr>
-          <p:cNvPr id="2" name="Заголовок 1"/>
-          <p:cNvSpPr>
-            <a:spLocks noGrp="1" noChangeArrowheads="1"/>
-            <a:extLst>
-              <a:ext uri="smNativeData">
-                <pr:smNativeData xmlns:pr="smNativeData" xmlns="smNativeData" val="SMDATA_16_xzE7ZxMAAAAlAAAAZAAAAA0AAAAAkAAAAEgAAACQAAAASAAAAAAAAAABAAAAAAAAAAEAAABQAAAAAAAAAAAA4D8AAAAAAADgPwAAAAAAAOA/AAAAAAAA4D8AAAAAAADgPwAAAAAAAOA/AAAAAAAA4D8AAAAAAADgPwAAAAAAAOA/AAAAAAAA4D8CAAAAjAAAAAAAAAAAAAAARHLEDP///wgAAAAAAAAAAAAAAAAAAAAAAAAAAAAAAAAAAAAAZAAAAAEAAABAAAAAAAAAAAAAAAAAAAAAAAAAAAAAAAAAAAAAAAAAAAAAAAAAAAAAAAAAAAAAAAAAAAAAAAAAAAAAAAAAAAAAAAAAAAAAAAAAAAAAAAAAAAAAAAAAAAAAFAAAADwAAAAAAAAAAAAAAAAAAAkUAAAAAQAAABQAAAAUAAAAFAAAAAEAAAAAAAAAZAAAAGQAAAAAAAAAZAAAAGQAAAAVAAAAYAAAAAAAAAAAAAAADwAAACADAAAAAAAAAAAAAAEAAACgMgAAVgcAAKr4//8BAAAAf39/AAEAAABkAAAAAAAAABQAAABAHwAAAAAAACYAAAAAAAAAwOD//wAAAAAmAAAAZAAAABYAAABMAAAAAAAAAAAAAAAEAAAAAAAAAAEAAADn5uYKAAAAACgAAAAoAAAAZAAAAGQAAAAAAAAAzMzMAAAAAABQAAAAUAAAAGQAAABkAAAAAAAAABcAAAAUAAAAAAAAAAAAAAD/fwAA/38AAAAAAAAJAAAABAAAAAAAAAAeAAAAaAAAAAAAAAAAAAAAAAAAAAAAAAAAAAAAECcAABAnAAAAAAAAAAAAAAAAAAAAAAAAAAAAAAAAAAAAAAAAAAAAABQAAAAAAAAAwMD/AAAAAABkAAAAMgAAAAAAAABkAAAAAAAAAH9/fwAKAAAAIgAAABgAAAAAAAAAAAAAAAAAAAAAAAAAAAAAAAAAAAAkAAAAJAAAAAAAAAAHAAAAAAAAAAAAAAAAAAAAAAAAAAAAAAAAAAAAf39/ACUAAABYAAAAAAAAAAAAAAAAAAAAAAAAAAAAAAAAAAAAAAAAAAAAAAAAAAAAAAAAAAAAAAA/AAAAAAAAAKCGAQAAAAAAAAAAAAAAAAAMAAAAAQAAAAAAAAAAAAAAAAAAAB8AAABUAAAARHLEBf///wEAAAAAAAAAAAAAAAAAAAAAAAAAAAAAAAAAAAAAAAAAAAAAAAJ/f38A5+bmA8zMzADAwP8Af39/AAAAAAAAAAAAAAAAAAAAAAAAAAAAIQAAABgAAAAUAAAAKAUAAD8CAADYRQAAZwoAABAAAAAmAAAACAAAAAAAAAAAAAAAMAAAABQAAAAAAAAAAAD//wAAAQAAAP//AAABAA=="/>
-              </a:ext>
-            </a:extLst>
-          </p:cNvSpPr>
-          <p:nvPr>
-            <p:ph type="title"/>
-          </p:nvPr>
-        </p:nvSpPr>
-        <p:spPr/>
-        <p:txBody>
-          <a:bodyPr/>
-          <a:lstStyle/>
-          <a:p>
-            <a:pPr>
-              <a:defRPr lang="ru-ru"/>
-            </a:pPr>
-          </a:p>
-        </p:txBody>
-      </p:sp>
-      <p:sp>
-        <p:nvSpPr>
-          <p:cNvPr id="3" name="Объект 2"/>
-          <p:cNvSpPr>
-            <a:spLocks noGrp="1" noChangeArrowheads="1"/>
-            <a:extLst>
-              <a:ext uri="smNativeData">
-                <pr:smNativeData xmlns:pr="smNativeData" xmlns="smNativeData" val="SMDATA_16_xzE7ZxMAAAAlAAAAZAAAAA0AAAAAkAAAAEgAAACQAAAASAAAAAAAAAAAAAAAAAAAAAEAAABQAAAAAAAAAAAA4D8AAAAAAADgPwAAAAAAAOA/AAAAAAAA4D8AAAAAAADgPwAAAAAAAOA/AAAAAAAA4D8AAAAAAADgPwAAAAAAAOA/AAAAAAAA4D8CAAAAjAAAAAAAAAAAAAAARHLEDP///wgAAAAAAAAAAAAAAAAAAAAAAAAAAAAAAAAAAAAAZAAAAAEAAABAAAAAAAAAAAAAAAAAAAAAAAAAAAAAAAAAAAAAAAAAAAAAAAAAAAAAAAAAAAAAAAAAAAAAAAAAAAAAAAAAAAAAAAAAAAAAAAAAAAAAAAAAAAAAAAAAAAAAFAAAADwAAAAAAAAAAAAAAAAAAAkUAAAAAQAAABQAAAAUAAAAFAAAAAEAAAAAAAAAZAAAAGQAAAAAAAAAZAAAAGQAAAAVAAAAYAAAAAAAAAAAAAAADwAAACADAAAAAAAAAAAAAAEAAACgMgAAVgcAAKr4//8BAAAAf39/AAEAAABkAAAAAAAAABQAAABAHwAAAAAAACYAAAAAAAAAwOD//wAAAAAmAAAAZAAAABYAAABMAAAAAAAAAAAAAAAEAAAAAAAAAAEAAADn5uYKAAAAACgAAAAoAAAAZAAAAGQAAAAAAAAAzMzMAAAAAABQAAAAUAAAAGQAAABkAAAAAAAAABcAAAAUAAAAAAAAAAAAAAD/fwAA/38AAAAAAAAJAAAABAAAAAAAAAAeAAAAaAAAAAAAAAAAAAAAAAAAAAAAAAAAAAAAECcAABAnAAAAAAAAAAAAAAAAAAAAAAAAAAAAAAAAAAAAAAAAAAAAABQAAAAAAAAAwMD/AAAAAABkAAAAMgAAAAAAAABkAAAAAAAAAH9/fwAKAAAAIgAAABgAAAAAAAAAAAAAAAAAAAAAAAAAAAAAAAAAAAAkAAAAJAAAAAAAAAAHAAAAAAAAAAAAAAAAAAAAAAAAAAAAAAAAAAAAf39/ACUAAABYAAAAAAAAAAAAAAAAAAAAAAAAAAAAAAAAAAAAAAAAAAAAAAAAAAAAAAAAAAAAAAA/AAAAAAAAAKCGAQAAAAAAAAAAAAAAAAAMAAAAAQAAAAAAAAAAAAAAAAAAAB8AAABUAAAARHLEBf///wEAAAAAAAAAAAAAAAAAAAAAAAAAAAAAAAAAAAAAAAAAAAAAAAJ/f38A5+bmA8zMzADAwP8Af39/AAAAAAAAAAAAAAAAAAAAAAAAAAAAIQAAABgAAAAUAAAAKAUAADsLAADYRQAAACYAABAAAAAmAAAACAAAAAAAAAAAAAAAMAAAABQAAAAAAAAAAAD//wAAAQAAAP//AAABAA=="/>
-              </a:ext>
-            </a:extLst>
-          </p:cNvSpPr>
-          <p:nvPr>
-            <p:ph type="body" idx="1"/>
-          </p:nvPr>
-        </p:nvSpPr>
-        <p:spPr/>
-        <p:txBody>
-          <a:bodyPr/>
-          <a:lstStyle/>
-          <a:p>
-            <a:pPr>
-              <a:defRPr lang="ru-ru"/>
-            </a:pPr>
-          </a:p>
-        </p:txBody>
-      </p:sp>
-      <p:pic>
-        <p:nvPicPr>
-          <p:cNvPr id="4" name="Рисунок 4"/>
-          <p:cNvPicPr>
-            <a:picLocks noChangeAspect="1"/>
-            <a:extLst>
-              <a:ext uri="smNativeData">
-                <pr:smNativeData xmlns:pr="smNativeData" xmlns="smNativeData" val="SMDATA_18_xzE7ZxMAAAAlAAAAEQAAAC0AAAAAkAAAAEgAAACQAAAASAAAAAAAAAAAAAAAAAAAAAEAAABQAAAAAAAAAAAA4D8AAAAAAADgPwAAAAAAAOA/AAAAAAAA4D8AAAAAAADgPwAAAAAAAOA/AAAAAAAA4D8AAAAAAADgPwAAAAAAAOA/AAAAAAAA4D8CAAAAjAAAAAAAAAAAAAAARHLEDP///wgAAAAAAAAAAAAAAAAAAAAAAAAAAAAAAAAAAAAAZAAAAAEAAABAAAAAAAAAAAAAAAAAAAAAAAAAAAAAAAAAAAAAAAAAAAAAAAAAAAAAAAAAAAAAAAAAAAAAAAAAAAAAAAAAAAAAAAAAAAAAAAAAAAAAAAAAAAAAAAAAAAAAFAAAADwAAAAAAAAAAAAAAAAAAAkUAAAAAQAAABQAAAAUAAAAFAAAAAEAAAAAAAAAZAAAAGQAAAAAAAAAZAAAAGQAAAAVAAAAYAAAAAAAAAAAAAAADwAAACADAAAAAAAAAAAAAAEAAACgMgAAVgcAAKr4//8BAAAAf39/AAEAAABkAAAAAAAAABQAAABAHwAAAAAAACYAAAAAAAAAwOD//wAAAAAmAAAAZAAAABYAAABMAAAAAAAAAAAAAAAEAAAAAAAAAAEAAADn5uYKAAAAACgAAAAoAAAAZAAAAGQAAAAAAAAAzMzMAAAAAABQAAAAUAAAAGQAAABkAAAAAAAAAAcAAAA4AAAAAAAAAAAAAAAAAAAA////AAAAAAAAAAAAAAAAAAAAAAAAAAAAAAAAAAAAAABkAAAAZAAAAAAAAAAjAAAABAAAAGQAAAAXAAAAFAAAAAAAAAAAAAAA/38AAP9/AAAAAAAACQAAAAQAAAD/////HgAAAGgAAAAAAAAAAAAAAAAAAAAAAAAAAAAAABAnAAAQJwAAAAAAAAAAAAAAAAAAAAAAAAAAAAAAAAAAAAAAAAAAAAAUAAAAAAAAAMDA/wAAAAAAZAAAADIAAAAAAAAAZAAAAAAAAAB/f38ACgAAACIAAAAYAAAAAAAAAAAAAAAAAAAAAAAAAAAAAAAAAAAAJAAAACQAAAAAAAAABwAAAAAAAAAAAAAAAAAAAAAAAAAAAAAAAAAAAH9/fwAlAAAAWAAAAAAAAAAAAAAAAAAAAAAAAAAAAAAAAAAAAAAAAAAAAAAAAAAAAAAAAAAAAAAAPwAAAAAAAACghgEAAAAAAAAAAAAAAAAADAAAAAEAAAAAAAAAAAAAAAAAAAAfAAAAVAAAAERyxAX///8BAAAAAAAAAAAAAAAAAAAAAAAAAAAAAAAAAAAAAAAAAAAAAAACf39/AOfm5gPMzMwAwMD/AH9/fwAAAAAAAAAAAAAAAAD///8AAAAAACEAAAAYAAAAFAAAADoDAABrBgAAdSIAAMMmAAAQAAAAJgAAAAgAAAD//////////zAAAAAUAAAAAAAAAAAA//8AAAEAAAD//wAAAQA="/>
-              </a:ext>
-            </a:extLst>
-          </p:cNvPicPr>
-          <p:nvPr/>
-        </p:nvPicPr>
-        <p:blipFill>
-          <a:blip r:embed="rId2"/>
-          <a:stretch>
-            <a:fillRect/>
-          </a:stretch>
-        </p:blipFill>
-        <p:spPr>
-          <a:xfrm>
-            <a:off x="524510" y="1043305"/>
-            <a:ext cx="5076825" cy="5257800"/>
-          </a:xfrm>
-          <a:prstGeom prst="rect">
-            <a:avLst/>
-          </a:prstGeom>
-          <a:noFill/>
-          <a:ln>
-            <a:noFill/>
-          </a:ln>
-          <a:effectLst/>
-        </p:spPr>
-      </p:pic>
-    </p:spTree>
-  </p:cSld>
-  <p:clrMapOvr>
-    <a:masterClrMapping/>
-  </p:clrMapOvr>
-  <p:timing>
-    <p:tnLst>
-      <p:par>
-        <p:cTn id="1" dur="indefinite" restart="never" nodeType="tmRoot"/>
-      </p:par>
-    </p:tnLst>
-  </p:timing>
-</p:sld>
-</file>
-
-<file path=ppt/slides/slide2.xml><?xml version="1.0" encoding="utf-8"?>
-<p:sld xmlns:p="http://schemas.openxmlformats.org/presentationml/2006/main" xmlns:mc="http://schemas.openxmlformats.org/markup-compatibility/2006" xmlns:p14="http://schemas.microsoft.com/office/powerpoint/2010/main" xmlns:p15="http://schemas.microsoft.com/office/powerpoint/2012/main" xmlns:r="http://schemas.openxmlformats.org/officeDocument/2006/relationships" xmlns:a="http://schemas.openxmlformats.org/drawingml/2006/main" mc:Ignorable="p14">
-  <p:cSld>
-    <p:spTree>
-      <p:nvGrpSpPr>
-        <p:cNvPr id="1" name=""/>
-        <p:cNvGrpSpPr/>
-        <p:nvPr/>
-      </p:nvGrpSpPr>
-      <p:grpSpPr>
-        <a:xfrm>
-          <a:off x="0" y="0"/>
-          <a:ext cx="0" cy="0"/>
-          <a:chOff x="0" y="0"/>
-          <a:chExt cx="0" cy="0"/>
-        </a:xfrm>
-      </p:grpSpPr>
-      <p:sp>
-        <p:nvSpPr>
-          <p:cNvPr id="2" name="Заголовок 1"/>
-          <p:cNvSpPr>
-            <a:spLocks noGrp="1" noChangeArrowheads="1"/>
-            <a:extLst>
-              <a:ext uri="smNativeData">
-                <pr:smNativeData xmlns:pr="smNativeData" xmlns="smNativeData" val="SMDATA_16_xzE7ZxMAAAAlAAAAZAAAAA0AAAAAkAAAAEgAAACQAAAASAAAAAAAAAABAAAAAAAAAAEAAABQAAAAAAAAAAAA4D8AAAAAAADgPwAAAAAAAOA/AAAAAAAA4D8AAAAAAADgPwAAAAAAAOA/AAAAAAAA4D8AAAAAAADgPwAAAAAAAOA/AAAAAAAA4D8CAAAAjAAAAAAAAAAAAAAARHLEDP///wgAAAAAAAAAAAAAAAAAAAAAAAAAAAAAAAAAAAAAZAAAAAEAAABAAAAAAAAAAAAAAAAAAAAAAAAAAAAAAAAAAAAAAAAAAAAAAAAAAAAAAAAAAAAAAAAAAAAAAAAAAAAAAAAAAAAAAAAAAAAAAAAAAAAAAAAAAAAAAAAAAAAAFAAAADwAAAAAAAAAAAAAAAAAAAkUAAAAAQAAABQAAAAUAAAAFAAAAAEAAAAAAAAAZAAAAGQAAAAAAAAAZAAAAGQAAAAVAAAAYAAAAAAAAAAAAAAADwAAACADAAAAAAAAAAAAAAEAAACgMgAAVgcAAKr4//8BAAAAf39/AAEAAABkAAAAAAAAABQAAABAHwAAAAAAACYAAAAAAAAAwOD//wAAAAAmAAAAZAAAABYAAABMAAAAAAAAAAAAAAAEAAAAAAAAAAEAAADn5uYKAAAAACgAAAAoAAAAZAAAAGQAAAAAAAAAzMzMAAAAAABQAAAAUAAAAGQAAABkAAAAAAAAABcAAAAUAAAAAAAAAAAAAAD/fwAA/38AAAAAAAAJAAAABAAAAAAAAAAeAAAAaAAAAAAAAAAAAAAAAAAAAAAAAAAAAAAAECcAABAnAAAAAAAAAAAAAAAAAAAAAAAAAAAAAAAAAAAAAAAAAAAAABQAAAAAAAAAwMD/AAAAAABkAAAAMgAAAAAAAABkAAAAAAAAAH9/fwAKAAAAIgAAABgAAAAAAAAAAAAAAAAAAAAAAAAAAAAAAAAAAAAkAAAAJAAAAAAAAAAHAAAAAAAAAAAAAAAAAAAAAAAAAAAAAAAAAAAAf39/ACUAAABYAAAAAAAAAAAAAAAAAAAAAAAAAAAAAAAAAAAAAAAAAAAAAAAAAAAAAAAAAAAAAAA/AAAAAAAAAKCGAQAAAAAAAAAAAAAAAAAMAAAAAQAAAAAAAAAAAAAAAAAAAB8AAABUAAAARHLEBf///wEAAAAAAAAAAAAAAAAAAAAAAAAAAAAAAAAAAAAAAAAAAAAAAAJ/f38A5+bmA8zMzADAwP8Af39/AAAAAAAAAAAAAAAAAAAAAAAAAAAAIQAAABgAAAAUAAAAKAUAAD8CAADYRQAAZwoAABAAAAAmAAAACAAAAAAAAAAAAAAAMAAAABQAAAAAAAAAAAD//wAAAQAAAP//AAABAA=="/>
-              </a:ext>
-            </a:extLst>
-          </p:cNvSpPr>
-          <p:nvPr>
-            <p:ph type="title"/>
-          </p:nvPr>
-        </p:nvSpPr>
-        <p:spPr/>
-        <p:txBody>
-          <a:bodyPr/>
-          <a:lstStyle/>
-          <a:p>
-            <a:pPr>
-              <a:defRPr lang="ru-ru"/>
-            </a:pPr>
-          </a:p>
-        </p:txBody>
-      </p:sp>
-      <p:sp>
-        <p:nvSpPr>
-          <p:cNvPr id="3" name="Объект 2"/>
-          <p:cNvSpPr>
-            <a:spLocks noGrp="1" noChangeArrowheads="1"/>
-            <a:extLst>
-              <a:ext uri="smNativeData">
-                <pr:smNativeData xmlns:pr="smNativeData" xmlns="smNativeData" val="SMDATA_16_xzE7ZxMAAAAlAAAAZAAAAA0AAAAAkAAAAEgAAACQAAAASAAAAAAAAAAAAAAAAAAAAAEAAABQAAAAAAAAAAAA4D8AAAAAAADgPwAAAAAAAOA/AAAAAAAA4D8AAAAAAADgPwAAAAAAAOA/AAAAAAAA4D8AAAAAAADgPwAAAAAAAOA/AAAAAAAA4D8CAAAAjAAAAAAAAAAAAAAARHLEDP///wgAAAAAAAAAAAAAAAAAAAAAAAAAAAAAAAAAAAAAZAAAAAEAAABAAAAAAAAAAAAAAAAAAAAAAAAAAAAAAAAAAAAAAAAAAAAAAAAAAAAAAAAAAAAAAAAAAAAAAAAAAAAAAAAAAAAAAAAAAAAAAAAAAAAAAAAAAAAAAAAAAAAAFAAAADwAAAAAAAAAAAAAAAAAAAkUAAAAAQAAABQAAAAUAAAAFAAAAAEAAAAAAAAAZAAAAGQAAAAAAAAAZAAAAGQAAAAVAAAAYAAAAAAAAAAAAAAADwAAACADAAAAAAAAAAAAAAEAAACgMgAAVgcAAKr4//8BAAAAf39/AAEAAABkAAAAAAAAABQAAABAHwAAAAAAACYAAAAAAAAAwOD//wAAAAAmAAAAZAAAABYAAABMAAAAAAAAAAAAAAAEAAAAAAAAAAEAAADn5uYKAAAAACgAAAAoAAAAZAAAAGQAAAAAAAAAzMzMAAAAAABQAAAAUAAAAGQAAABkAAAAAAAAABcAAAAUAAAAAAAAAAAAAAD/fwAA/38AAAAAAAAJAAAABAAAAAAAAAAeAAAAaAAAAAAAAAAAAAAAAAAAAAAAAAAAAAAAECcAABAnAAAAAAAAAAAAAAAAAAAAAAAAAAAAAAAAAAAAAAAAAAAAABQAAAAAAAAAwMD/AAAAAABkAAAAMgAAAAAAAABkAAAAAAAAAH9/fwAKAAAAIgAAABgAAAAAAAAAAAAAAAAAAAAAAAAAAAAAAAAAAAAkAAAAJAAAAAAAAAAHAAAAAAAAAAAAAAAAAAAAAAAAAAAAAAAAAAAAf39/ACUAAABYAAAAAAAAAAAAAAAAAAAAAAAAAAAAAAAAAAAAAAAAAAAAAAAAAAAAAAAAAAAAAAA/AAAAAAAAAKCGAQAAAAAAAAAAAAAAAAAMAAAAAQAAAAAAAAAAAAAAAAAAAB8AAABUAAAARHLEBf///wEAAAAAAAAAAAAAAAAAAAAAAAAAAAAAAAAAAAAAAAAAAAAAAAJ/f38A5+bmA8zMzADAwP8Af39/AAAAAAAAAAAAAAAAAAAAAAAAAAAAIQAAABgAAAAUAAAAKAUAADsLAADYRQAAACYAABAAAAAmAAAACAAAAAAAAAAAAAAAMAAAABQAAAAAAAAAAAD//wAAAQAAAP//AAABAA=="/>
-              </a:ext>
-            </a:extLst>
-          </p:cNvSpPr>
-          <p:nvPr>
-            <p:ph type="body" idx="1"/>
-          </p:nvPr>
-        </p:nvSpPr>
-        <p:spPr/>
-        <p:txBody>
-          <a:bodyPr/>
-          <a:lstStyle/>
-          <a:p>
-            <a:pPr>
-              <a:defRPr lang="ru-ru"/>
-            </a:pPr>
-          </a:p>
-        </p:txBody>
-      </p:sp>
-      <p:pic>
-        <p:nvPicPr>
-          <p:cNvPr id="4" name="Изображение1"/>
-          <p:cNvPicPr>
-            <a:picLocks noChangeAspect="1"/>
-            <a:extLst>
-              <a:ext uri="smNativeData">
-                <pr:smNativeData xmlns:pr="smNativeData" xmlns="smNativeData" val="SMDATA_18_xzE7ZxMAAAAlAAAAEQAAAC8BAAAAkAAAAEgAAACQAAAASAAAAAAAAAAAAAAAAAAAAAEAAABQAAAAAAAAAAAA4D8AAAAAAADgPwAAAAAAAOA/AAAAAAAA4D8AAAAAAADgPwAAAAAAAOA/AAAAAAAA4D8AAAAAAADgPwAAAAAAAOA/AAAAAAAA4D8CAAAAjAAAAAAAAAAAAAAARHLEDP///wgAAAAAAAAAAAAAAAAAAAAAAAAAAAAAAAAAAAAAZAAAAAEAAABAAAAAAAAAAAAAAAAAAAAAAAAAAAAAAAAAAAAAAAAAAAAAAAAAAAAAAAAAAAAAAAAAAAAAAAAAAAAAAAAAAAAAAAAAAAAAAAAAAAAAAAAAAAAAAAAAAAAAFAAAADwAAAAAAAAAAAAAAAAAAAkUAAAAAQAAABQAAAAUAAAAFAAAAAEAAAAAAAAAZAAAAGQAAAAAAAAAZAAAAGQAAAAVAAAAYAAAAAAAAAAAAAAADwAAACADAAAAAAAAAAAAAAEAAACgMgAAVgcAAKr4//8BAAAAf39/AAEAAABkAAAAAAAAABQAAABAHwAAAAAAACYAAAAAAAAAwOD//wAAAAAmAAAAZAAAABYAAABMAAAAAAAAAAAAAAAEAAAAAAAAAAEAAADn5uYKAAAAACgAAAAoAAAAZAAAAGQAAAAAAAAAzMzMAAAAAABQAAAAUAAAAGQAAABkAAAAAAAAAAcAAAA4AAAAAAAAAAAAAAAAAAAA////AAAAAAAAAAAAAAAAAAAAAAAAAAAAAAAAAAAAAABkAAAAZAAAAAAAAAAjAAAABAAAAGQAAAAXAAAAFAAAAAAAAAAAAAAA/38AAP9/AAAAAAAACQAAAAQAAAAAAAAAHgAAAGgAAAAAAAAAAAAAAAAAAAAAAAAAAAAAABAnAAAQJwAAAAAAAAAAAAAAAAAAAAAAAAAAAAAAAAAAAAAAAAAAAAAUAAAAAAAAAMDA/wAAAAAAZAAAADIAAAAAAAAAZAAAAAAAAAB/f38ACgAAACIAAAAYAAAAAAAAAAAAAAAAAAAAAAAAAAAAAAAAAAAAJAAAACQAAAAAAAAABwAAAAAAAAAAAAAAAAAAAAAAAAAAAAAAAAAAAH9/fwAlAAAAWAAAAAAAAAAAAAAAAAAAAAAAAAAAAAAAAAAAAAAAAAAAAAAAAAAAAAAAAAAAAAAAPwAAAAAAAACghgEAAAAAAAAAAAAAAAAADAAAAAEAAAAAAAAAAAAAAAAAAAAfAAAAVAAAAERyxAX///8BAAAAAAAAAAAAAAAAAAAAAAAAAAAAAAAAAAAAAAAAAAAAAAACf39/AOfm5gPMzMwAwMD/AH9/fwAAAAAAAAAAAAAAAAD///8AAAAAACEAAAAYAAAAFAAAAP4AAAD9AAAARzMAAL8WAAAQAAAAJgAAAAgAAAD//////////zAAAAAUAAAAAAAAAAAA//8AAAEAAAD//wAAAQA="/>
-              </a:ext>
-            </a:extLst>
-          </p:cNvPicPr>
-          <p:nvPr/>
-        </p:nvPicPr>
-        <p:blipFill>
-          <a:blip r:embed="rId3"/>
-          <a:stretch>
-            <a:fillRect/>
-          </a:stretch>
-        </p:blipFill>
-        <p:spPr>
-          <a:xfrm>
-            <a:off x="161290" y="160655"/>
-            <a:ext cx="8174355" cy="3536950"/>
-          </a:xfrm>
-          <a:prstGeom prst="rect">
-            <a:avLst/>
-          </a:prstGeom>
-          <a:noFill/>
-          <a:ln>
-            <a:noFill/>
-          </a:ln>
-          <a:effectLst/>
-        </p:spPr>
-      </p:pic>
-      <p:pic>
-        <p:nvPicPr>
-          <p:cNvPr id="5" name="Изображение2"/>
-          <p:cNvPicPr>
-            <a:picLocks noChangeAspect="1"/>
-            <a:extLst>
-              <a:ext uri="smNativeData">
-                <pr:smNativeData xmlns:pr="smNativeData" xmlns="smNativeData" val="SMDATA_18_xzE7ZxMAAAAlAAAAEQAAAC8BAAAAkAAAAEgAAACQAAAASAAAAAAAAAAAAAAAAAAAAAEAAABQAAAAAAAAAAAA4D8AAAAAAADgPwAAAAAAAOA/AAAAAAAA4D8AAAAAAADgPwAAAAAAAOA/AAAAAAAA4D8AAAAAAADgPwAAAAAAAOA/AAAAAAAA4D8CAAAAjAAAAAAAAAAAAAAARHLEDP///wgAAAAAAAAAAAAAAAAAAAAAAAAAAAAAAAAAAAAAZAAAAAEAAABAAAAAAAAAAAAAAAAAAAAAAAAAAAAAAAAAAAAAAAAAAAAAAAAAAAAAAAAAAAAAAAAAAAAAAAAAAAAAAAAAAAAAAAAAAAAAAAAAAAAAAAAAAAAAAAAAAAAAFAAAADwAAAAAAAAAAAAAAAAAAAkUAAAAAQAAABQAAAAUAAAAFAAAAAEAAAAAAAAAZAAAAGQAAAAAAAAAZAAAAGQAAAAVAAAAYAAAAAAAAAAAAAAADwAAACADAAAAAAAAAAAAAAEAAACgMgAAVgcAAKr4//8BAAAAf39/AAEAAABkAAAAAAAAABQAAABAHwAAAAAAACYAAAAAAAAAwOD//wAAAAAmAAAAZAAAABYAAABMAAAAAAAAAAAAAAAEAAAAAAAAAAEAAADn5uYKAAAAACgAAAAoAAAAZAAAAGQAAAAAAAAAzMzMAAAAAABQAAAAUAAAAGQAAABkAAAAAAAAAAcAAAA4AAAAAAAAAAAAAAAAAAAA////AAAAAAAAAAAAAAAAAAAAAAAAAAAAAAAAAAAAAABkAAAAZAAAAAAAAAAjAAAABAAAAGQAAAAXAAAAFAAAAAAAAAAAAAAA/38AAP9/AAAAAAAACQAAAAQAAAAAAAAAHgAAAGgAAAAAAAAAAAAAAAAAAAAAAAAAAAAAABAnAAAQJwAAAAAAAAAAAAAAAAAAAAAAAAAAAAAAAAAAAAAAAAAAAAAUAAAAAAAAAMDA/wAAAAAAZAAAADIAAAAAAAAAZAAAAAAAAAB/f38ACgAAACIAAAAYAAAAAAAAAAAAAAAAAAAAAAAAAAAAAAAAAAAAJAAAACQAAAAAAAAABwAAAAAAAAAAAAAAAAAAAAAAAAAAAAAAAAAAAH9/fwAlAAAAWAAAAAAAAAAAAAAAAAAAAAAAAAAAAAAAAAAAAAAAAAAAAAAAAAAAAAAAAAAAAAAAPwAAAAAAAACghgEAAAAAAAAAAAAAAAAADAAAAAEAAAAAAAAAAAAAAAAAAAAfAAAAVAAAAERyxAX///8BAAAAAAAAAAAAAAAAAAAAAAAAAAAAAAAAAAAAAAAAAAAAAAACf39/AOfm5gPMzMwAwMD/AH9/fwAAAAAAAAAAAAAAAAD///8AAAAAACEAAAAYAAAAFAAAAIYBAADbGAAAyBoAAOEmAAAQAAAAJgAAAAgAAAD//////////zAAAAAUAAAAAAAAAAAA//8AAAEAAAD//wAAAQA="/>
-              </a:ext>
-            </a:extLst>
-          </p:cNvPicPr>
-          <p:nvPr/>
-        </p:nvPicPr>
-        <p:blipFill>
-          <a:blip r:embed="rId4"/>
-          <a:stretch>
-            <a:fillRect/>
-          </a:stretch>
-        </p:blipFill>
-        <p:spPr>
-          <a:xfrm>
-            <a:off x="247650" y="4040505"/>
-            <a:ext cx="4105910" cy="2279650"/>
-          </a:xfrm>
-          <a:prstGeom prst="rect">
-            <a:avLst/>
-          </a:prstGeom>
-          <a:noFill/>
-          <a:ln>
-            <a:noFill/>
-          </a:ln>
-          <a:effectLst/>
-        </p:spPr>
-      </p:pic>
-      <p:pic>
-        <p:nvPicPr>
-          <p:cNvPr id="6" name="Изображение3"/>
-          <p:cNvPicPr>
-            <a:picLocks noChangeAspect="1"/>
-            <a:extLst>
-              <a:ext uri="smNativeData">
-                <pr:smNativeData xmlns:pr="smNativeData" xmlns="smNativeData" val="SMDATA_18_xzE7ZxMAAAAlAAAAEQAAAC8BAAAAkAAAAEgAAACQAAAASAAAAAAAAAAAAAAAAAAAAAEAAABQAAAAAAAAAAAA4D8AAAAAAADgPwAAAAAAAOA/AAAAAAAA4D8AAAAAAADgPwAAAAAAAOA/AAAAAAAA4D8AAAAAAADgPwAAAAAAAOA/AAAAAAAA4D8CAAAAjAAAAAAAAAAAAAAARHLEDP///wgAAAAAAAAAAAAAAAAAAAAAAAAAAAAAAAAAAAAAZAAAAAEAAABAAAAAAAAAAAAAAAAAAAAAAAAAAAAAAAAAAAAAAAAAAAAAAAAAAAAAAAAAAAAAAAAAAAAAAAAAAAAAAAAAAAAAAAAAAAAAAAAAAAAAAAAAAAAAAAAAAAAAFAAAADwAAAAAAAAAAAAAAAAAAAkUAAAAAQAAABQAAAAUAAAAFAAAAAEAAAAAAAAAZAAAAGQAAAAAAAAAZAAAAGQAAAAVAAAAYAAAAAAAAAAAAAAADwAAACADAAAAAAAAAAAAAAEAAACgMgAAVgcAAKr4//8BAAAAf39/AAEAAABkAAAAAAAAABQAAABAHwAAAAAAACYAAAAAAAAAwOD//wAAAAAmAAAAZAAAABYAAABMAAAAAAAAAAAAAAAEAAAAAAAAAAEAAADn5uYKAAAAACgAAAAoAAAAZAAAAGQAAAAAAAAAzMzMAAAAAABQAAAAUAAAAGQAAABkAAAAAAAAAAcAAAA4AAAAAAAAAAAAAAAAAAAA////AAAAAAAAAAAAAAAAAAAAAAAAAAAAAAAAAAAAAABkAAAAZAAAAAAAAAAjAAAABAAAAGQAAAAXAAAAFAAAAAAAAAAAAAAA/38AAP9/AAAAAAAACQAAAAQAAABkAAAAHgAAAGgAAAAAAAAAAAAAAAAAAAAAAAAAAAAAABAnAAAQJwAAAAAAAAAAAAAAAAAAAAAAAAAAAAAAAAAAAAAAAAAAAAAUAAAAAAAAAMDA/wAAAAAAZAAAADIAAAAAAAAAZAAAAAAAAAB/f38ACgAAACIAAAAYAAAAAAAAAAAAAAAAAAAAAAAAAAAAAAAAAAAAJAAAACQAAAAAAAAABwAAAAAAAAAAAAAAAAAAAAAAAAAAAAAAAAAAAH9/fwAlAAAAWAAAAAAAAAAAAAAAAAAAAAAAAAAAAAAAAAAAAAAAAAAAAAAAAAAAAAAAAAAAAAAAPwAAAAAAAACghgEAAAAAAAAAAAAAAAAADAAAAAEAAAAAAAAAAAAAAAAAAAAfAAAAVAAAAERyxAX///8BAAAAAAAAAAAAAAAAAAAAAAAAAAAAAAAAAAAAAAAAAAAAAAACf39/AOfm5gPMzMwAwMD/AH9/fwAAAAAAAAAAAAAAAAD///8AAAAAACEAAAAYAAAAFAAAAMMbAADsGwAAjjQAAG0mAAAQAAAAJgAAAAgAAAD//////////zAAAAAUAAAAAAAAAAAA//8AAAEAAAD//wAAAQA="/>
-              </a:ext>
-            </a:extLst>
-          </p:cNvPicPr>
-          <p:nvPr/>
-        </p:nvPicPr>
-        <p:blipFill>
-          <a:blip r:embed="rId5"/>
-          <a:stretch>
-            <a:fillRect/>
-          </a:stretch>
-        </p:blipFill>
-        <p:spPr>
-          <a:xfrm>
-            <a:off x="4512945" y="4538980"/>
-            <a:ext cx="4030345" cy="1707515"/>
-          </a:xfrm>
-          <a:prstGeom prst="rect">
-            <a:avLst/>
-          </a:prstGeom>
-          <a:noFill/>
-          <a:ln>
-            <a:noFill/>
-          </a:ln>
-          <a:effectLst/>
-        </p:spPr>
-      </p:pic>
-    </p:spTree>
-  </p:cSld>
-  <p:clrMapOvr>
-    <a:masterClrMapping/>
-  </p:clrMapOvr>
-  <p:timing>
-    <p:tnLst>
-      <p:par>
-        <p:cTn id="1" dur="indefinite" restart="never" nodeType="tmRoot"/>
-      </p:par>
-    </p:tnLst>
-  </p:timing>
-</p:sld>
-</file>
-
-<file path=ppt/slides/slide3.xml><?xml version="1.0" encoding="utf-8"?>
-<p:sld xmlns:p="http://schemas.openxmlformats.org/presentationml/2006/main" xmlns:mc="http://schemas.openxmlformats.org/markup-compatibility/2006" xmlns:p14="http://schemas.microsoft.com/office/powerpoint/2010/main" xmlns:p15="http://schemas.microsoft.com/office/powerpoint/2012/main" xmlns:r="http://schemas.openxmlformats.org/officeDocument/2006/relationships" xmlns:a="http://schemas.openxmlformats.org/drawingml/2006/main" mc:Ignorable="p14">
-  <p:cSld>
-    <p:spTree>
-      <p:nvGrpSpPr>
-        <p:cNvPr id="1" name=""/>
-        <p:cNvGrpSpPr/>
-        <p:nvPr/>
-      </p:nvGrpSpPr>
-      <p:grpSpPr>
-        <a:xfrm>
-          <a:off x="0" y="0"/>
-          <a:ext cx="0" cy="0"/>
-          <a:chOff x="0" y="0"/>
-          <a:chExt cx="0" cy="0"/>
-        </a:xfrm>
-      </p:grpSpPr>
-      <p:sp>
-        <p:nvSpPr>
-          <p:cNvPr id="2" name="Заголовок 1"/>
-          <p:cNvSpPr>
-            <a:spLocks noGrp="1" noChangeArrowheads="1"/>
-            <a:extLst>
-              <a:ext uri="smNativeData">
-                <pr:smNativeData xmlns:pr="smNativeData" xmlns="smNativeData" val="SMDATA_16_xzE7ZxMAAAAlAAAAZAAAAA0AAAAAkAAAAEgAAACQAAAASAAAAAAAAAACAAAAAAAAAAEAAABQAAAAAAAAAAAA4D8AAAAAAADgPwAAAAAAAOA/AAAAAAAA4D8AAAAAAADgPwAAAAAAAOA/AAAAAAAA4D8AAAAAAADgPwAAAAAAAOA/AAAAAAAA4D8CAAAAjAAAAAAAAAAAAAAARHLEDP///wgAAAAAAAAAAAAAAAAAAAAAAAAAAAAAAAAAAAAAZAAAAAEAAABAAAAAAAAAAAAAAAAAAAAAAAAAAAAAAAAAAAAAAAAAAAAAAAAAAAAAAAAAAAAAAAAAAAAAAAAAAAAAAAAAAAAAAAAAAAAAAAAAAAAAAAAAAAAAAAAAAAAAFAAAADwAAAAAAAAAAAAAAAAAAAkUAAAAAQAAABQAAAAUAAAAFAAAAAEAAAAAAAAAZAAAAGQAAAAAAAAAZAAAAGQAAAAVAAAAYAAAAAAAAAAAAAAADwAAACADAAAAAAAAAAAAAAEAAACgMgAAVgcAAKr4//8BAAAAf39/AAEAAABkAAAAAAAAABQAAABAHwAAAAAAACYAAAAAAAAAwOD//wAAAAAmAAAAZAAAABYAAABMAAAAAAAAAAAAAAAEAAAAAAAAAAEAAADn5uYKAAAAACgAAAAoAAAAZAAAAGQAAAAAAAAAzMzMAAAAAABQAAAAUAAAAGQAAABkAAAAAAAAABcAAAAUAAAAAAAAAAAAAAD/fwAA/38AAAAAAAAJAAAABAAAAAAAAAAeAAAAaAAAAAAAAAAAAAAAAAAAAAAAAAAAAAAAECcAABAnAAAAAAAAAAAAAAAAAAAAAAAAAAAAAAAAAAAAAAAAAAAAABQAAAAAAAAAwMD/AAAAAABkAAAAMgAAAAAAAABkAAAAAAAAAH9/fwAKAAAAIgAAABgAAAAAAAAAAAAAAAAAAAAAAAAAAAAAAAAAAAAkAAAAJAAAAAAAAAAHAAAAAAAAAAAAAAAAAAAAAAAAAAAAAAAAAAAAf39/ACUAAABYAAAAAAAAAAAAAAAAAAAAAAAAAAAAAAAAAAAAAAAAAAAAAAAAAAAAAAAAAAAAAAA/AAAAAAAAAKCGAQAAAAAAAAAAAAAAAAAMAAAAAQAAAAAAAAAAAAAAAAAAAB8AAABUAAAARHLEBf///wEAAAAAAAAAAAAAAAAAAAAAAAAAAAAAAAAAAAAAAAAAAAAAAAJ/f38A5+bmA8zMzADAwP8Af39/AAAAAAAAAAAAAAAAAAAAAAAAAAAAIQAAABgAAAAUAAAAYAkAAOgGAACgQQAAmBUAABAAAAAmAAAACAAAAAAAAAAAAAAAMAAAABQAAAAAAAAAAAD//wAAAQAAAP//AAABAA=="/>
-              </a:ext>
-            </a:extLst>
-          </p:cNvSpPr>
-          <p:nvPr>
-            <p:ph type="ctrTitle"/>
-          </p:nvPr>
-        </p:nvSpPr>
-        <p:spPr/>
-        <p:txBody>
-          <a:bodyPr/>
-          <a:lstStyle/>
-          <a:p>
-            <a:pPr>
-              <a:defRPr lang="ru-ru"/>
-            </a:pPr>
-          </a:p>
-        </p:txBody>
-      </p:sp>
-      <p:sp>
-        <p:nvSpPr>
-          <p:cNvPr id="3" name="Подзаголовок 2"/>
-          <p:cNvSpPr>
-            <a:spLocks noGrp="1" noChangeArrowheads="1"/>
-            <a:extLst>
-              <a:ext uri="smNativeData">
-                <pr:smNativeData xmlns:pr="smNativeData" xmlns="smNativeData" val="SMDATA_16_xzE7ZxMAAAAlAAAAZAAAAA0AAAAAkAAAAEgAAACQAAAASAAAAAAAAAAAAAAAAAAAAAEAAABQAAAAAAAAAAAA4D8AAAAAAADgPwAAAAAAAOA/AAAAAAAA4D8AAAAAAADgPwAAAAAAAOA/AAAAAAAA4D8AAAAAAADgPwAAAAAAAOA/AAAAAAAA4D8CAAAAjAAAAAAAAAAAAAAARHLEDP///wgAAAAAAAAAAAAAAAAAAAAAAAAAAAAAAAAAAAAAZAAAAAEAAABAAAAAAAAAAAAAAAAAAAAAAAAAAAAAAAAAAAAAAAAAAAAAAAAAAAAAAAAAAAAAAAAAAAAAAAAAAAAAAAAAAAAAAAAAAAAAAAAAAAAAAAAAAAAAAAAAAAAAFAAAADwAAAAAAAAAAAAAAAAAAAkUAAAAAQAAABQAAAAUAAAAFAAAAAEAAAAAAAAAZAAAAGQAAAAAAAAAZAAAAGQAAAAVAAAAYAAAAAAAAAAAAAAADwAAACADAAAAAAAAAAAAAAEAAACgMgAAVgcAAKr4//8BAAAAf39/AAEAAABkAAAAAAAAABQAAABAHwAAAAAAACYAAAAAAAAAwOD//wAAAAAmAAAAZAAAABYAAABMAAAAAAAAAAAAAAAEAAAAAAAAAAEAAADn5uYKAAAAACgAAAAoAAAAZAAAAGQAAAAAAAAAzMzMAAAAAABQAAAAUAAAAGQAAABkAAAAAAAAABcAAAAUAAAAAAAAAAAAAAD/fwAA/38AAAAAAAAJAAAABAAAAAAAAAAeAAAAaAAAAAAAAAAAAAAAAAAAAAAAAAAAAAAAECcAABAnAAAAAAAAAAAAAAAAAAAAAAAAAAAAAAAAAAAAAAAAAAAAABQAAAAAAAAAwMD/AAAAAABkAAAAMgAAAAAAAABkAAAAAAAAAH9/fwAKAAAAIgAAABgAAAAAAAAAAAAAAAAAAAAAAAAAAAAAAAAAAAAkAAAAJAAAAAAAAAAHAAAAAAAAAAAAAAAAAAAAAAAAAAAAAAAAAAAAf39/ACUAAABYAAAAAAAAAAAAAAAAAAAAAAAAAAAAAAAAAAAAAAAAAAAAAAAAAAAAAAAAAAAAAAA/AAAAAAAAAKCGAQAAAAAAAAAAAAAAAAAMAAAAAQAAAAAAAAAAAAAAAAAAAB8AAABUAAAARHLEBf///wEAAAAAAAAAAAAAAAAAAAAAAAAAAAAAAAAAAAAAAAAAAAAAAAJ/f38A5+bmA8zMzADAwP8Af39/AAAAAAAAAAAAAAAAAAAAAAAAAAAAIQAAABgAAAAUAAAAYAkAACkWAACgQQAAWCAAABAAAAAmAAAACAAAAAAAAAAAAAAAMAAAABQAAAAAAAAAAAD//wAAAQAAAP//AAABAA=="/>
-              </a:ext>
-            </a:extLst>
-          </p:cNvSpPr>
-          <p:nvPr>
-            <p:ph type="subTitle" idx="1"/>
-          </p:nvPr>
-        </p:nvSpPr>
-        <p:spPr/>
-        <p:txBody>
-          <a:bodyPr/>
-          <a:lstStyle/>
-          <a:p>
-            <a:pPr>
-              <a:defRPr lang="ru-ru"/>
-            </a:pPr>
-          </a:p>
-        </p:txBody>
-      </p:sp>
-    </p:spTree>
-  </p:cSld>
-  <p:clrMapOvr>
-    <a:masterClrMapping/>
-  </p:clrMapOvr>
-  <p:timing>
-    <p:tnLst>
-      <p:par>
-        <p:cTn id="1" dur="indefinite" restart="never" nodeType="tmRoot"/>
-      </p:par>
-    </p:tnLst>
-  </p:timing>
-</p:sld>
-</file>
-
-<file path=ppt/slides/slide4.xml><?xml version="1.0" encoding="utf-8"?>
-<p:sld xmlns:p="http://schemas.openxmlformats.org/presentationml/2006/main" xmlns:mc="http://schemas.openxmlformats.org/markup-compatibility/2006" xmlns:p14="http://schemas.microsoft.com/office/powerpoint/2010/main" xmlns:p15="http://schemas.microsoft.com/office/powerpoint/2012/main" xmlns:r="http://schemas.openxmlformats.org/officeDocument/2006/relationships" xmlns:a="http://schemas.openxmlformats.org/drawingml/2006/main" mc:Ignorable="p14">
-  <p:cSld>
-    <p:spTree>
-      <p:nvGrpSpPr>
-        <p:cNvPr id="1" name=""/>
-        <p:cNvGrpSpPr/>
-        <p:nvPr/>
-      </p:nvGrpSpPr>
-      <p:grpSpPr>
-        <a:xfrm>
-          <a:off x="0" y="0"/>
-          <a:ext cx="0" cy="0"/>
-          <a:chOff x="0" y="0"/>
-          <a:chExt cx="0" cy="0"/>
-        </a:xfrm>
-      </p:grpSpPr>
-    </p:spTree>
-  </p:cSld>
-  <p:clrMapOvr>
-    <a:masterClrMapping/>
-  </p:clrMapOvr>
-  <p:timing>
-    <p:tnLst>
-      <p:par>
-        <p:cTn id="1" dur="indefinite" restart="never" nodeType="tmRoot"/>
-      </p:par>
-    </p:tnLst>
-  </p:timing>
-</p:sld>
-</file>
-
-<file path=ppt/slides/slide5.xml><?xml version="1.0" encoding="utf-8"?>
-<p:sld xmlns:p="http://schemas.openxmlformats.org/presentationml/2006/main" xmlns:mc="http://schemas.openxmlformats.org/markup-compatibility/2006" xmlns:p14="http://schemas.microsoft.com/office/powerpoint/2010/main" xmlns:p15="http://schemas.microsoft.com/office/powerpoint/2012/main" xmlns:r="http://schemas.openxmlformats.org/officeDocument/2006/relationships" xmlns:a="http://schemas.openxmlformats.org/drawingml/2006/main" mc:Ignorable="p14">
-  <p:cSld>
-    <p:spTree>
-      <p:nvGrpSpPr>
-        <p:cNvPr id="1" name=""/>
-        <p:cNvGrpSpPr/>
-        <p:nvPr/>
-      </p:nvGrpSpPr>
-      <p:grpSpPr>
-        <a:xfrm>
-          <a:off x="0" y="0"/>
-          <a:ext cx="0" cy="0"/>
-          <a:chOff x="0" y="0"/>
-          <a:chExt cx="0" cy="0"/>
-        </a:xfrm>
-      </p:grpSpPr>
-      <p:sp>
-        <p:nvSpPr>
-          <p:cNvPr id="2" name="Заголовок 1"/>
-          <p:cNvSpPr>
-            <a:spLocks noGrp="1" noChangeArrowheads="1"/>
-            <a:extLst>
-              <a:ext uri="smNativeData">
-                <pr:smNativeData xmlns:pr="smNativeData" xmlns="smNativeData" val="SMDATA_16_xzE7ZxMAAAAlAAAAZAAAAA0AAAAAkAAAAEgAAACQAAAASAAAAAAAAAABAAAAAAAAAAEAAABQAAAAAAAAAAAA4D8AAAAAAADgPwAAAAAAAOA/AAAAAAAA4D8AAAAAAADgPwAAAAAAAOA/AAAAAAAA4D8AAAAAAADgPwAAAAAAAOA/AAAAAAAA4D8CAAAAjAAAAAAAAAAAAAAARHLEDP///wgAAAAAAAAAAAAAAAAAAAAAAAAAAAAAAAAAAAAAZAAAAAEAAABAAAAAAAAAAAAAAAAAAAAAAAAAAAAAAAAAAAAAAAAAAAAAAAAAAAAAAAAAAAAAAAAAAAAAAAAAAAAAAAAAAAAAAAAAAAAAAAAAAAAAAAAAAAAAAAAAAAAAFAAAADwAAAAAAAAAAAAAAAAAAAkUAAAAAQAAABQAAAAUAAAAFAAAAAEAAAAAAAAAZAAAAGQAAAAAAAAAZAAAAGQAAAAVAAAAYAAAAAAAAAAAAAAADwAAACADAAAAAAAAAAAAAAEAAACgMgAAVgcAAKr4//8BAAAAf39/AAEAAABkAAAAAAAAABQAAABAHwAAAAAAACYAAAAAAAAAwOD//wAAAAAmAAAAZAAAABYAAABMAAAAAAAAAAAAAAAEAAAAAAAAAAEAAADn5uYKAAAAACgAAAAoAAAAZAAAAGQAAAAAAAAAzMzMAAAAAABQAAAAUAAAAGQAAABkAAAAAAAAABcAAAAUAAAAAAAAAAAAAAD/fwAA/38AAAAAAAAJAAAABAAAAAAAAAAeAAAAaAAAAAAAAAAAAAAAAAAAAAAAAAAAAAAAECcAABAnAAAAAAAAAAAAAAAAAAAAAAAAAAAAAAAAAAAAAAAAAAAAABQAAAAAAAAAwMD/AAAAAABkAAAAMgAAAAAAAABkAAAAAAAAAH9/fwAKAAAAIgAAABgAAAAAAAAAAAAAAAAAAAAAAAAAAAAAAAAAAAAkAAAAJAAAAAAAAAAHAAAAAAAAAAAAAAAAAAAAAAAAAAAAAAAAAAAAf39/ACUAAABYAAAAAAAAAAAAAAAAAAAAAAAAAAAAAAAAAAAAAAAAAAAAAAAAAAAAAAAAAAAAAAA/AAAAAAAAAKCGAQAAAAAAAAAAAAAAAAAMAAAAAQAAAAAAAAAAAAAAAAAAAB8AAABUAAAARHLEBf///wEAAAAAAAAAAAAAAAAAAAAAAAAAAAAAAAAAAAAAAAAAAAAAAAJ/f38A5+bmA8zMzADAwP8Af39/AAAAAAAAAAAAAAAAAAAAAAAAAAAAIQAAABgAAAAUAAAAKAUAAD8CAADYRQAAZwoAABAAAAAmAAAACAAAAAAAAAAAAAAAMAAAABQAAAAAAAAAAAD//wAAAQAAAP//AAABAA=="/>
-              </a:ext>
-            </a:extLst>
-          </p:cNvSpPr>
-          <p:nvPr>
-            <p:ph type="title"/>
-          </p:nvPr>
-        </p:nvSpPr>
-        <p:spPr/>
-        <p:txBody>
-          <a:bodyPr/>
-          <a:lstStyle/>
-          <a:p>
-            <a:pPr>
-              <a:defRPr lang="ru-ru"/>
-            </a:pPr>
-            <a:r>
-              <a:t>st</a:t>
-            </a:r>
-          </a:p>
-        </p:txBody>
-      </p:sp>
-      <p:sp>
-        <p:nvSpPr>
-          <p:cNvPr id="3" name="Объект 2"/>
-          <p:cNvSpPr>
-            <a:spLocks noGrp="1" noChangeArrowheads="1"/>
-            <a:extLst>
-              <a:ext uri="smNativeData">
-                <pr:smNativeData xmlns:pr="smNativeData" xmlns="smNativeData" val="SMDATA_16_xzE7ZxMAAAAlAAAAZAAAAA0AAAAAkAAAAEgAAACQAAAASAAAAAAAAAAAAAAAAAAAAAEAAABQAAAAAAAAAAAA4D8AAAAAAADgPwAAAAAAAOA/AAAAAAAA4D8AAAAAAADgPwAAAAAAAOA/AAAAAAAA4D8AAAAAAADgPwAAAAAAAOA/AAAAAAAA4D8CAAAAjAAAAAAAAAAAAAAARHLEDP///wgAAAAAAAAAAAAAAAAAAAAAAAAAAAAAAAAAAAAAZAAAAAEAAABAAAAAAAAAAAAAAAAAAAAAAAAAAAAAAAAAAAAAAAAAAAAAAAAAAAAAAAAAAAAAAAAAAAAAAAAAAAAAAAAAAAAAAAAAAAAAAAAAAAAAAAAAAAAAAAAAAAAAFAAAADwAAAAAAAAAAAAAAAAAAAkUAAAAAQAAABQAAAAUAAAAFAAAAAEAAAAAAAAAZAAAAGQAAAAAAAAAZAAAAGQAAAAVAAAAYAAAAAAAAAAAAAAADwAAACADAAAAAAAAAAAAAAEAAACgMgAAVgcAAKr4//8BAAAAf39/AAEAAABkAAAAAAAAABQAAABAHwAAAAAAACYAAAAAAAAAwOD//wAAAAAmAAAAZAAAABYAAABMAAAAAAAAAAAAAAAEAAAAAAAAAAEAAADn5uYKAAAAACgAAAAoAAAAZAAAAGQAAAAAAAAAzMzMAAAAAABQAAAAUAAAAGQAAABkAAAAAAAAABcAAAAUAAAAAAAAAAAAAAD/fwAA/38AAAAAAAAJAAAABAAAAMoAwx4eAAAAaAAAAAAAAAAAAAAAAAAAAAAAAAAAAAAAECcAABAnAAAAAAAAAAAAAAAAAAAAAAAAAAAAAAAAAAAAAAAAAAAAABQAAAAAAAAAwMD/AAAAAABkAAAAMgAAAAAAAABkAAAAAAAAAH9/fwAKAAAAIgAAABgAAAAAAAAAAAAAAAAAAAAAAAAAAAAAAAAAAAAkAAAAJAAAAAAAAAAHAAAAAAAAAAAAAAAAAAAAAAAAAAAAAAAAAAAAf39/ACUAAABYAAAAAAAAAAAAAAAAAAAAAAAAAAAAAAAAAAAAAAAAAAAAAAAAAAAAAAAAAAAAAAA/AAAAAAAAAKCGAQAAAAAAAAAAAAAAAAAMAAAAAQAAAAAAAAAAAAAAAAAAAB8AAABUAAAARHLEBf///wEAAAAAAAAAAAAAAAAAAAAAAAAAAAAAAAAAAAAAAAAAAAAAAAJ/f38A5+bmA8zMzADAwP8Af39/AAAAAAAAAAAAAAAAAAAAAAAAAAAAIQAAABgAAAAUAAAAKAUAADsLAADYRQAAACYAABAAAAAmAAAACAAAAAAAAAAAAAAAMAAAABQAAAAAAAAAAAD//wAAAQAAAP//AAABAA=="/>
-              </a:ext>
-            </a:extLst>
-          </p:cNvSpPr>
-          <p:nvPr>
-            <p:ph type="body" idx="1"/>
-          </p:nvPr>
-        </p:nvSpPr>
-        <p:spPr/>
-        <p:txBody>
-          <a:bodyPr/>
-          <a:lstStyle/>
-          <a:p>
-            <a:pPr>
-              <a:defRPr lang="ru-ru"/>
-            </a:pPr>
-          </a:p>
-        </p:txBody>
-      </p:sp>
-      <p:pic>
-        <p:nvPicPr>
-          <p:cNvPr id="4" name="Рисунок 10"/>
-          <p:cNvPicPr>
-            <a:picLocks noChangeAspect="1"/>
-            <a:extLst>
-              <a:ext uri="smNativeData">
-                <pr:smNativeData xmlns:pr="smNativeData" xmlns="smNativeData" val="SMDATA_18_xzE7ZxMAAAAlAAAAEQAAAC0AAAAAkAAAAEgAAACQAAAASAAAAAAAAAAAAAAAAAAAAAEAAABQAAAAAAAAAAAA4D8AAAAAAADgPwAAAAAAAOA/AAAAAAAA4D8AAAAAAADgPwAAAAAAAOA/AAAAAAAA4D8AAAAAAADgPwAAAAAAAOA/AAAAAAAA4D8CAAAAjAAAAAAAAAAAAAAARHLEDP///wgAAAAAAAAAAAAAAAAAAAAAAAAAAAAAAAAAAAAAZAAAAAEAAABAAAAAAAAAAAAAAAAAAAAAAAAAAAAAAAAAAAAAAAAAAAAAAAAAAAAAAAAAAAAAAAAAAAAAAAAAAAAAAAAAAAAAAAAAAAAAAAAAAAAAAAAAAAAAAAAAAAAAFAAAADwAAAAAAAAAAAAAAAAAAAkUAAAAAQAAABQAAAAUAAAAFAAAAAEAAAAAAAAAZAAAAGQAAAAAAAAAZAAAAGQAAAAVAAAAYAAAAAAAAAAAAAAADwAAACADAAAAAAAAAAAAAAEAAACgMgAAVgcAAKr4//8BAAAAf39/AAEAAABkAAAAAAAAABQAAABAHwAAAAAAACYAAAAAAAAAwOD//wAAAAAmAAAAZAAAABYAAABMAAAAAAAAAAAAAAAEAAAAAAAAAAEAAADn5uYKAAAAACgAAAAoAAAAZAAAAGQAAAAAAAAAzMzMAAAAAABQAAAAUAAAAGQAAABkAAAAAAAAAAcAAAA4AAAAAAAAAAAAAAAAAAAA////AAAAAAAAAAAAAAAAAAAAAAAAAAAAAAAAAAAAAABkAAAAZAAAAAAAAAAjAAAABAAAAGQAAAAXAAAAFAAAAAAAAAAAAAAA/38AAP9/AAAAAAAACQAAAAQAAAD/////HgAAAGgAAAAAAAAAAAAAAAAAAAAAAAAAAAAAABAnAAAQJwAAAAAAAAAAAAAAAAAAAAAAAAAAAAAAAAAAAAAAAAAAAAAUAAAAAAAAAMDA/wAAAAAAZAAAADIAAAAAAAAAZAAAAAAAAAB/f38ACgAAACIAAAAYAAAAAAAAAAAAAAAAAAAAAAAAAAAAAAAAAAAAJAAAACQAAAAAAAAABwAAAAAAAAAAAAAAAAAAAAAAAAAAAAAAAAAAAH9/fwAlAAAAWAAAAAAAAAAAAAAAAAAAAAAAAAAAAAAAAAAAAAAAAAAAAAAAAAAAAAAAAAAAAAAAPwAAAAAAAACghgEAAAAAAAAAAAAAAAAADAAAAAEAAAAAAAAAAAAAAAAAAAAfAAAAVAAAAERyxAX///8BAAAAAAAAAAAAAAAAAAAAAAAAAAAAAAAAAAAAAAAAAAAAAAACf39/AOfm5gPMzMwAwMD/AH9/fwAAAAAAAAAAAAAAAAD///8AAAAAACEAAAAYAAAAFAAAAEEEAADAEQAAgCUAAPEnAAAQAAAAJgAAAAgAAAD//////////zAAAAAUAAAAAAAAAAAA//8AAAEAAAD//wAAAQA="/>
-              </a:ext>
-            </a:extLst>
-          </p:cNvPicPr>
-          <p:nvPr/>
-        </p:nvPicPr>
-        <p:blipFill>
-          <a:blip r:embed="rId3"/>
-          <a:stretch>
-            <a:fillRect/>
-          </a:stretch>
-        </p:blipFill>
-        <p:spPr>
-          <a:xfrm>
-            <a:off x="691515" y="2885440"/>
-            <a:ext cx="5404485" cy="3607435"/>
-          </a:xfrm>
-          <a:prstGeom prst="rect">
-            <a:avLst/>
-          </a:prstGeom>
-          <a:noFill/>
-          <a:ln>
-            <a:noFill/>
-          </a:ln>
-          <a:effectLst/>
-        </p:spPr>
-      </p:pic>
-      <p:pic>
-        <p:nvPicPr>
-          <p:cNvPr id="5" name="Рисунок 12"/>
-          <p:cNvPicPr>
-            <a:picLocks noChangeAspect="1"/>
-            <a:extLst>
-              <a:ext uri="smNativeData">
-                <pr:smNativeData xmlns:pr="smNativeData" xmlns="smNativeData" val="SMDATA_18_xzE7ZxMAAAAlAAAAEQAAAC0AAAAAkAAAAEgAAACQAAAASAAAAAAAAAAAAAAAAAAAAAEAAABQAAAAAAAAAAAA4D8AAAAAAADgPwAAAAAAAOA/AAAAAAAA4D8AAAAAAADgPwAAAAAAAOA/AAAAAAAA4D8AAAAAAADgPwAAAAAAAOA/AAAAAAAA4D8CAAAAjAAAAAAAAAAAAAAARHLEDP///wgAAAAAAAAAAAAAAAAAAAAAAAAAAAAAAAAAAAAAZAAAAAEAAABAAAAAAAAAAAAAAAAAAAAAAAAAAAAAAAAAAAAAAAAAAAAAAAAAAAAAAAAAAAAAAAAAAAAAAAAAAAAAAAAAAAAAAAAAAAAAAAAAAAAAAAAAAAAAAAAAAAAAFAAAADwAAAAAAAAAAAAAAAAAAAkUAAAAAQAAABQAAAAUAAAAFAAAAAEAAAAAAAAAZAAAAGQAAAAAAAAAZAAAAGQAAAAVAAAAYAAAAAAAAAAAAAAADwAAACADAAAAAAAAAAAAAAEAAACgMgAAVgcAAKr4//8BAAAAf39/AAEAAABkAAAAAAAAABQAAABAHwAAAAAAACYAAAAAAAAAwOD//wAAAAAmAAAAZAAAABYAAABMAAAAAAAAAAAAAAAEAAAAAAAAAAEAAADn5uYKAAAAACgAAAAoAAAAZAAAAGQAAAAAAAAAzMzMAAAAAABQAAAAUAAAAGQAAABkAAAAAAAAAAcAAAA4AAAAAAAAAAAAAAAAAAAA////AAAAAAAAAAAAAAAAAAAAAAAAAAAAAAAAAAAAAABkAAAAZAAAAAAAAAAjAAAABAAAAGQAAAAXAAAAFAAAAAAAAAAAAAAA/38AAP9/AAAAAAAACQAAAAQAAAD/////HgAAAGgAAAAAAAAAAAAAAAAAAAAAAAAAAAAAABAnAAAQJwAAAAAAAAAAAAAAAAAAAAAAAAAAAAAAAAAAAAAAAAAAAAAUAAAAAAAAAMDA/wAAAAAAZAAAADIAAAAAAAAAZAAAAAAAAAB/f38ACgAAACIAAAAYAAAAAAAAAAAAAAAAAAAAAAAAAAAAAAAAAAAAJAAAACQAAAAAAAAABwAAAAAAAAAAAAAAAAAAAAAAAAAAAAAAAAAAAH9/fwAlAAAAWAAAAAAAAAAAAAAAAAAAAAAAAAAAAAAAAAAAAAAAAAAAAAAAAAAAAAAAAAAAAAAAPwAAAAAAAACghgEAAAAAAAAAAAAAAAAADAAAAAEAAAAAAAAAAAAAAAAAAAAfAAAAVAAAAERyxAX///8BAAAAAAAAAAAAAAAAAAAAAAAAAAAAAAAAAAAAAAAAAAAAAAACf39/AOfm5gPMzMwAwMD/AH9/fwAAAAAAAAAAAAAAAAD///8AAAAAACEAAAAYAAAAFAAAAAImAADsEAAAJUgAAPEnAAAQAAAAJgAAAAgAAAD//////////zAAAAAUAAAAAAAAAAAA//8AAAEAAAD//wAAAQA="/>
-              </a:ext>
-            </a:extLst>
-          </p:cNvPicPr>
-          <p:nvPr/>
-        </p:nvPicPr>
-        <p:blipFill>
-          <a:blip r:embed="rId4"/>
-          <a:stretch>
-            <a:fillRect/>
-          </a:stretch>
-        </p:blipFill>
-        <p:spPr>
-          <a:xfrm>
-            <a:off x="6178550" y="2750820"/>
-            <a:ext cx="5549265" cy="3742055"/>
-          </a:xfrm>
-          <a:prstGeom prst="rect">
-            <a:avLst/>
-          </a:prstGeom>
-          <a:noFill/>
-          <a:ln>
-            <a:noFill/>
-          </a:ln>
-          <a:effectLst/>
-        </p:spPr>
-      </p:pic>
-    </p:spTree>
-  </p:cSld>
-  <p:clrMapOvr>
-    <a:masterClrMapping/>
-  </p:clrMapOvr>
-  <p:timing>
-    <p:tnLst>
-      <p:par>
-        <p:cTn id="1" dur="indefinite" restart="never" nodeType="tmRoot"/>
-      </p:par>
-    </p:tnLst>
-  </p:timing>
-</p:sld>
-</file>
-
-<file path=ppt/slides/slide6.xml><?xml version="1.0" encoding="utf-8"?>
-<p:sld xmlns:p="http://schemas.openxmlformats.org/presentationml/2006/main" xmlns:mc="http://schemas.openxmlformats.org/markup-compatibility/2006" xmlns:p14="http://schemas.microsoft.com/office/powerpoint/2010/main" xmlns:p15="http://schemas.microsoft.com/office/powerpoint/2012/main" xmlns:r="http://schemas.openxmlformats.org/officeDocument/2006/relationships" xmlns:a="http://schemas.openxmlformats.org/drawingml/2006/main" mc:Ignorable="p14">
-  <p:cSld>
-    <p:spTree>
-      <p:nvGrpSpPr>
-        <p:cNvPr id="1" name=""/>
-        <p:cNvGrpSpPr/>
-        <p:nvPr/>
-      </p:nvGrpSpPr>
-      <p:grpSpPr>
-        <a:xfrm>
-          <a:off x="0" y="0"/>
-          <a:ext cx="0" cy="0"/>
-          <a:chOff x="0" y="0"/>
-          <a:chExt cx="0" cy="0"/>
-        </a:xfrm>
-      </p:grpSpPr>
-      <p:sp>
-        <p:nvSpPr>
-          <p:cNvPr id="2" name="Заголовок 1"/>
-          <p:cNvSpPr>
-            <a:spLocks noGrp="1" noChangeArrowheads="1"/>
-            <a:extLst>
-              <a:ext uri="smNativeData">
-                <pr:smNativeData xmlns:pr="smNativeData" xmlns="smNativeData" val="SMDATA_16_xzE7ZxMAAAAlAAAAZAAAAA0AAAAAkAAAAEgAAACQAAAASAAAAAAAAAABAAAAAAAAAAEAAABQAAAAAAAAAAAA4D8AAAAAAADgPwAAAAAAAOA/AAAAAAAA4D8AAAAAAADgPwAAAAAAAOA/AAAAAAAA4D8AAAAAAADgPwAAAAAAAOA/AAAAAAAA4D8CAAAAjAAAAAAAAAAAAAAARHLEDP///wgAAAAAAAAAAAAAAAAAAAAAAAAAAAAAAAAAAAAAZAAAAAEAAABAAAAAAAAAAAAAAAAAAAAAAAAAAAAAAAAAAAAAAAAAAAAAAAAAAAAAAAAAAAAAAAAAAAAAAAAAAAAAAAAAAAAAAAAAAAAAAAAAAAAAAAAAAAAAAAAAAAAAFAAAADwAAAAAAAAAAAAAAAAAAAkUAAAAAQAAABQAAAAUAAAAFAAAAAEAAAAAAAAAZAAAAGQAAAAAAAAAZAAAAGQAAAAVAAAAYAAAAAAAAAAAAAAADwAAACADAAAAAAAAAAAAAAEAAACgMgAAVgcAAKr4//8BAAAAf39/AAEAAABkAAAAAAAAABQAAABAHwAAAAAAACYAAAAAAAAAwOD//wAAAAAmAAAAZAAAABYAAABMAAAAAAAAAAAAAAAEAAAAAAAAAAEAAADn5uYKAAAAACgAAAAoAAAAZAAAAGQAAAAAAAAAzMzMAAAAAABQAAAAUAAAAGQAAABkAAAAAAAAABcAAAAUAAAAAAAAAAAAAAD/fwAA/38AAAAAAAAJAAAABAAAAAAAAAAeAAAAaAAAAAAAAAAAAAAAAAAAAAAAAAAAAAAAECcAABAnAAAAAAAAAAAAAAAAAAAAAAAAAAAAAAAAAAAAAAAAAAAAABQAAAAAAAAAwMD/AAAAAABkAAAAMgAAAAAAAABkAAAAAAAAAH9/fwAKAAAAIgAAABgAAAAAAAAAAAAAAAAAAAAAAAAAAAAAAAAAAAAkAAAAJAAAAAAAAAAHAAAAAAAAAAAAAAAAAAAAAAAAAAAAAAAAAAAAf39/ACUAAABYAAAAAAAAAAAAAAAAAAAAAAAAAAAAAAAAAAAAAAAAAAAAAAAAAAAAAAAAAAAAAAA/AAAAAAAAAKCGAQAAAAAAAAAAAAAAAAAMAAAAAQAAAAAAAAAAAAAAAAAAAB8AAABUAAAARHLEBf///wEAAAAAAAAAAAAAAAAAAAAAAAAAAAAAAAAAAAAAAAAAAAAAAAJ/f38A5+bmA8zMzADAwP8Af39/AAAAAAAAAAAAAAAAAAAAAAAAAAAAIQAAABgAAAAUAAAAKAUAAD8CAADYRQAAZwoAABAAAAAmAAAACAAAAAAAAAAAAAAAMAAAABQAAAAAAAAAAAD//wAAAQAAAP//AAABAA=="/>
-              </a:ext>
-            </a:extLst>
-          </p:cNvSpPr>
-          <p:nvPr>
-            <p:ph type="title"/>
-          </p:nvPr>
-        </p:nvSpPr>
-        <p:spPr/>
-        <p:txBody>
-          <a:bodyPr/>
-          <a:lstStyle/>
-          <a:p>
-            <a:pPr>
-              <a:defRPr lang="ru-ru"/>
-            </a:pPr>
-          </a:p>
-        </p:txBody>
-      </p:sp>
-      <p:sp>
-        <p:nvSpPr>
-          <p:cNvPr id="3" name="Объект 2"/>
-          <p:cNvSpPr>
-            <a:spLocks noGrp="1" noChangeArrowheads="1"/>
-            <a:extLst>
-              <a:ext uri="smNativeData">
-                <pr:smNativeData xmlns:pr="smNativeData" xmlns="smNativeData" val="SMDATA_16_xzE7ZxMAAAAlAAAAZAAAAA0AAAAAkAAAAEgAAACQAAAASAAAAAAAAAAAAAAAAAAAAAEAAABQAAAAAAAAAAAA4D8AAAAAAADgPwAAAAAAAOA/AAAAAAAA4D8AAAAAAADgPwAAAAAAAOA/AAAAAAAA4D8AAAAAAADgPwAAAAAAAOA/AAAAAAAA4D8CAAAAjAAAAAAAAAAAAAAARHLEDP///wgAAAAAAAAAAAAAAAAAAAAAAAAAAAAAAAAAAAAAZAAAAAEAAABAAAAAAAAAAAAAAAAAAAAAAAAAAAAAAAAAAAAAAAAAAAAAAAAAAAAAAAAAAAAAAAAAAAAAAAAAAAAAAAAAAAAAAAAAAAAAAAAAAAAAAAAAAAAAAAAAAAAAFAAAADwAAAAAAAAAAAAAAAAAAAkUAAAAAQAAABQAAAAUAAAAFAAAAAEAAAAAAAAAZAAAAGQAAAAAAAAAZAAAAGQAAAAVAAAAYAAAAAAAAAAAAAAADwAAACADAAAAAAAAAAAAAAEAAACgMgAAVgcAAKr4//8BAAAAf39/AAEAAABkAAAAAAAAABQAAABAHwAAAAAAACYAAAAAAAAAwOD//wAAAAAmAAAAZAAAABYAAABMAAAAAAAAAAAAAAAEAAAAAAAAAAEAAADn5uYKAAAAACgAAAAoAAAAZAAAAGQAAAAAAAAAzMzMAAAAAABQAAAAUAAAAGQAAABkAAAAAAAAABcAAAAUAAAAAAAAAAAAAAD/fwAA/38AAAAAAAAJAAAABAAAAAAAAAAeAAAAaAAAAAAAAAAAAAAAAAAAAAAAAAAAAAAAECcAABAnAAAAAAAAAAAAAAAAAAAAAAAAAAAAAAAAAAAAAAAAAAAAABQAAAAAAAAAwMD/AAAAAABkAAAAMgAAAAAAAABkAAAAAAAAAH9/fwAKAAAAIgAAABgAAAAAAAAAAAAAAAAAAAAAAAAAAAAAAAAAAAAkAAAAJAAAAAAAAAAHAAAAAAAAAAAAAAAAAAAAAAAAAAAAAAAAAAAAf39/ACUAAABYAAAAAAAAAAAAAAAAAAAAAAAAAAAAAAAAAAAAAAAAAAAAAAAAAAAAAAAAAAAAAAA/AAAAAAAAAKCGAQAAAAAAAAAAAAAAAAAMAAAAAQAAAAAAAAAAAAAAAAAAAB8AAABUAAAARHLEBf///wEAAAAAAAAAAAAAAAAAAAAAAAAAAAAAAAAAAAAAAAAAAAAAAAJ/f38A5+bmA8zMzADAwP8Af39/AAAAAAAAAAAAAAAAAAAAAAAAAAAAIQAAABgAAAAUAAAAKAUAADsLAADYRQAAACYAABAAAAAmAAAACAAAAAAAAAAAAAAAMAAAABQAAAAAAAAAAAD//wAAAQAAAP//AAABAA=="/>
-              </a:ext>
-            </a:extLst>
-          </p:cNvSpPr>
-          <p:nvPr>
-            <p:ph type="body" idx="1"/>
-          </p:nvPr>
-        </p:nvSpPr>
-        <p:spPr/>
-        <p:txBody>
-          <a:bodyPr/>
-          <a:lstStyle/>
-          <a:p>
-            <a:pPr>
-              <a:defRPr lang="ru-ru"/>
-            </a:pPr>
-          </a:p>
-        </p:txBody>
-      </p:sp>
-      <p:pic>
-        <p:nvPicPr>
-          <p:cNvPr id="4" name="Рисунок 4"/>
-          <p:cNvPicPr>
-            <a:picLocks noChangeAspect="1"/>
-            <a:extLst>
-              <a:ext uri="smNativeData">
-                <pr:smNativeData xmlns:pr="smNativeData" xmlns="smNativeData" val="SMDATA_18_xzE7ZxMAAAAlAAAAEQAAAC0AAAAAkAAAAEgAAACQAAAASAAAAAAAAAAAAAAAAAAAAAEAAABQAAAAAAAAAAAA4D8AAAAAAADgPwAAAAAAAOA/AAAAAAAA4D8AAAAAAADgPwAAAAAAAOA/AAAAAAAA4D8AAAAAAADgPwAAAAAAAOA/AAAAAAAA4D8CAAAAjAAAAAAAAAAAAAAARHLEDP///wgAAAAAAAAAAAAAAAAAAAAAAAAAAAAAAAAAAAAAZAAAAAEAAABAAAAAAAAAAAAAAAAAAAAAAAAAAAAAAAAAAAAAAAAAAAAAAAAAAAAAAAAAAAAAAAAAAAAAAAAAAAAAAAAAAAAAAAAAAAAAAAAAAAAAAAAAAAAAAAAAAAAAFAAAADwAAAAAAAAAAAAAAAAAAAkUAAAAAQAAABQAAAAUAAAAFAAAAAEAAAAAAAAAZAAAAGQAAAAAAAAAZAAAAGQAAAAVAAAAYAAAAAAAAAAAAAAADwAAACADAAAAAAAAAAAAAAEAAACgMgAAVgcAAKr4//8BAAAAf39/AAEAAABkAAAAAAAAABQAAABAHwAAAAAAACYAAAAAAAAAwOD//wAAAAAmAAAAZAAAABYAAABMAAAAAAAAAAAAAAAEAAAAAAAAAAEAAADn5uYKAAAAACgAAAAoAAAAZAAAAGQAAAAAAAAAzMzMAAAAAABQAAAAUAAAAGQAAABkAAAAAAAAAAcAAAA4AAAAAAAAAAAAAAAAAAAA////AAAAAAAAAAAAAAAAAAAAAAAAAAAAAAAAAAAAAABkAAAAZAAAAAAAAAAjAAAABAAAAGQAAAAXAAAAFAAAAAAAAAAAAAAA/38AAP9/AAAAAAAACQAAAAQAAAD/////HgAAAGgAAAAAAAAAAAAAAAAAAAAAAAAAAAAAABAnAAAQJwAAAAAAAAAAAAAAAAAAAAAAAAAAAAAAAAAAAAAAAAAAAAAUAAAAAAAAAMDA/wAAAAAAZAAAADIAAAAAAAAAZAAAAAAAAAB/f38ACgAAACIAAAAYAAAAAAAAAAAAAAAAAAAAAAAAAAAAAAAAAAAAJAAAACQAAAAAAAAABwAAAAAAAAAAAAAAAAAAAAAAAAAAAAAAAAAAAH9/fwAlAAAAWAAAAAAAAAAAAAAAAAAAAAAAAAAAAAAAAAAAAAAAAAAAAAAAAAAAAAAAAAAAAAAAPwAAAAAAAACghgEAAAAAAAAAAAAAAAAADAAAAAEAAAAAAAAAAAAAAAAAAAAfAAAAVAAAAERyxAX///8BAAAAAAAAAAAAAAAAAAAAAAAAAAAAAAAAAAAAAAAAAAAAAAACf39/AOfm5gPMzMwAwMD/AH9/fwAAAAAAAAAAAAAAAAD///8AAAAAACEAAAAYAAAAFAAAAIQDAADJBAAAHCAAAPEnAAAQAAAAJgAAAAgAAAD//////////zAAAAAUAAAAAAAAAAAA//8AAAEAAAD//wAAAQA="/>
-              </a:ext>
-            </a:extLst>
-          </p:cNvPicPr>
-          <p:nvPr/>
-        </p:nvPicPr>
-        <p:blipFill>
-          <a:blip r:embed="rId2"/>
-          <a:stretch>
-            <a:fillRect/>
-          </a:stretch>
-        </p:blipFill>
-        <p:spPr>
-          <a:xfrm>
-            <a:off x="571500" y="777875"/>
-            <a:ext cx="4648200" cy="5715000"/>
-          </a:xfrm>
-          <a:prstGeom prst="rect">
-            <a:avLst/>
-          </a:prstGeom>
-          <a:noFill/>
-          <a:ln>
-            <a:noFill/>
-          </a:ln>
-          <a:effectLst/>
-        </p:spPr>
-      </p:pic>
-      <p:pic>
-        <p:nvPicPr>
-          <p:cNvPr id="5" name="Рисунок 6"/>
-          <p:cNvPicPr>
-            <a:picLocks noChangeAspect="1"/>
-            <a:extLst>
-              <a:ext uri="smNativeData">
-                <pr:smNativeData xmlns:pr="smNativeData" xmlns="smNativeData" val="SMDATA_18_xzE7ZxMAAAAlAAAAEQAAAC0AAAAAkAAAAEgAAACQAAAASAAAAAAAAAAAAAAAAAAAAAEAAABQAAAAAAAAAAAA4D8AAAAAAADgPwAAAAAAAOA/AAAAAAAA4D8AAAAAAADgPwAAAAAAAOA/AAAAAAAA4D8AAAAAAADgPwAAAAAAAOA/AAAAAAAA4D8CAAAAjAAAAAAAAAAAAAAARHLEDP///wgAAAAAAAAAAAAAAAAAAAAAAAAAAAAAAAAAAAAAZAAAAAEAAABAAAAAAAAAAAAAAAAAAAAAAAAAAAAAAAAAAAAAAAAAAAAAAAAAAAAAAAAAAAAAAAAAAAAAAAAAAAAAAAAAAAAAAAAAAAAAAAAAAAAAAAAAAAAAAAAAAAAAFAAAADwAAAAAAAAAAAAAAAAAAAkUAAAAAQAAABQAAAAUAAAAFAAAAAEAAAAAAAAAZAAAAGQAAAAAAAAAZAAAAGQAAAAVAAAAYAAAAAAAAAAAAAAADwAAACADAAAAAAAAAAAAAAEAAACgMgAAVgcAAKr4//8BAAAAf39/AAEAAABkAAAAAAAAABQAAABAHwAAAAAAACYAAAAAAAAAwOD//wAAAAAmAAAAZAAAABYAAABMAAAAAAAAAAAAAAAEAAAAAAAAAAEAAADn5uYKAAAAACgAAAAoAAAAZAAAAGQAAAAAAAAAzMzMAAAAAABQAAAAUAAAAGQAAABkAAAAAAAAAAcAAAA4AAAAAAAAAAAAAAAAAAAA////AAAAAAAAAAAAAAAAAAAAAAAAAAAAAAAAAAAAAABkAAAAZAAAAAAAAAAjAAAABAAAAGQAAAAXAAAAFAAAAAAAAAAAAAAA/38AAP9/AAAAAAAACQAAAAQAAAAAAAAAHgAAAGgAAAAAAAAAAAAAAAAAAAAAAAAAAAAAABAnAAAQJwAAAAAAAAAAAAAAAAAAAAAAAAAAAAAAAAAAAAAAAAAAAAAUAAAAAAAAAMDA/wAAAAAAZAAAADIAAAAAAAAAZAAAAAAAAAB/f38ACgAAACIAAAAYAAAAAAAAAAAAAAAAAAAAAAAAAAAAAAAAAAAAJAAAACQAAAAAAAAABwAAAAAAAAAAAAAAAAAAAAAAAAAAAAAAAAAAAH9/fwAlAAAAWAAAAAAAAAAAAAAAAAAAAAAAAAAAAAAAAAAAAAAAAAAAAAAAAAAAAAAAAAAAAAAAPwAAAAAAAACghgEAAAAAAAAAAAAAAAAADAAAAAEAAAAAAAAAAAAAAAAAAAAfAAAAVAAAAERyxAX///8BAAAAAAAAAAAAAAAAAAAAAAAAAAAAAAAAAAAAAAAAAAAAAAACf39/AOfm5gPMzMwAwMD/AH9/fwAAAAAAAAAAAAAAAAD///8AAAAAACEAAAAYAAAAFAAAALUkAAAkBAAAPkEAAPEnAAAQAAAAJgAAAAgAAAD//////////zAAAAAUAAAAAAAAAAAA//8AAAEAAAD//wAAAQA="/>
-              </a:ext>
-            </a:extLst>
-          </p:cNvPicPr>
-          <p:nvPr/>
-        </p:nvPicPr>
-        <p:blipFill>
-          <a:blip r:embed="rId3"/>
-          <a:stretch>
-            <a:fillRect/>
-          </a:stretch>
-        </p:blipFill>
-        <p:spPr>
-          <a:xfrm>
-            <a:off x="5967095" y="673100"/>
-            <a:ext cx="4638675" cy="5819775"/>
-          </a:xfrm>
-          <a:prstGeom prst="rect">
-            <a:avLst/>
-          </a:prstGeom>
-          <a:noFill/>
-          <a:ln>
-            <a:noFill/>
-          </a:ln>
-          <a:effectLst/>
-        </p:spPr>
-      </p:pic>
-    </p:spTree>
-  </p:cSld>
-  <p:clrMapOvr>
-    <a:masterClrMapping/>
-  </p:clrMapOvr>
-  <p:timing>
-    <p:tnLst>
-      <p:par>
-        <p:cTn id="1" dur="indefinite" restart="never" nodeType="tmRoot"/>
-      </p:par>
-    </p:tnLst>
-  </p:timing>
-</p:sld>
-</file>
-
-<file path=ppt/slides/slide7.xml><?xml version="1.0" encoding="utf-8"?>
-<p:sld xmlns:p="http://schemas.openxmlformats.org/presentationml/2006/main" xmlns:mc="http://schemas.openxmlformats.org/markup-compatibility/2006" xmlns:p14="http://schemas.microsoft.com/office/powerpoint/2010/main" xmlns:p15="http://schemas.microsoft.com/office/powerpoint/2012/main" xmlns:r="http://schemas.openxmlformats.org/officeDocument/2006/relationships" xmlns:a="http://schemas.openxmlformats.org/drawingml/2006/main" mc:Ignorable="p14">
-  <p:cSld>
-    <p:spTree>
-      <p:nvGrpSpPr>
-        <p:cNvPr id="1" name=""/>
-        <p:cNvGrpSpPr/>
-        <p:nvPr/>
-      </p:nvGrpSpPr>
-      <p:grpSpPr>
-        <a:xfrm>
-          <a:off x="0" y="0"/>
-          <a:ext cx="0" cy="0"/>
-          <a:chOff x="0" y="0"/>
-          <a:chExt cx="0" cy="0"/>
-        </a:xfrm>
-      </p:grpSpPr>
-      <p:sp>
-        <p:nvSpPr>
-          <p:cNvPr id="2" name="Заголовок 1"/>
-          <p:cNvSpPr>
-            <a:spLocks noGrp="1" noChangeArrowheads="1"/>
-            <a:extLst>
-              <a:ext uri="smNativeData">
-                <pr:smNativeData xmlns:pr="smNativeData" xmlns="smNativeData" val="SMDATA_16_xzE7ZxMAAAAlAAAAZAAAAA0AAAAAkAAAAEgAAACQAAAASAAAAAAAAAABAAAAAAAAAAEAAABQAAAAAAAAAAAA4D8AAAAAAADgPwAAAAAAAOA/AAAAAAAA4D8AAAAAAADgPwAAAAAAAOA/AAAAAAAA4D8AAAAAAADgPwAAAAAAAOA/AAAAAAAA4D8CAAAAjAAAAAAAAAAAAAAARHLEDP///wgAAAAAAAAAAAAAAAAAAAAAAAAAAAAAAAAAAAAAZAAAAAEAAABAAAAAAAAAAAAAAAAAAAAAAAAAAAAAAAAAAAAAAAAAAAAAAAAAAAAAAAAAAAAAAAAAAAAAAAAAAAAAAAAAAAAAAAAAAAAAAAAAAAAAAAAAAAAAAAAAAAAAFAAAADwAAAAAAAAAAAAAAAAAAAkUAAAAAQAAABQAAAAUAAAAFAAAAAEAAAAAAAAAZAAAAGQAAAAAAAAAZAAAAGQAAAAVAAAAYAAAAAAAAAAAAAAADwAAACADAAAAAAAAAAAAAAEAAACgMgAAVgcAAKr4//8BAAAAf39/AAEAAABkAAAAAAAAABQAAABAHwAAAAAAACYAAAAAAAAAwOD//wAAAAAmAAAAZAAAABYAAABMAAAAAAAAAAAAAAAEAAAAAAAAAAEAAADn5uYKAAAAACgAAAAoAAAAZAAAAGQAAAAAAAAAzMzMAAAAAABQAAAAUAAAAGQAAABkAAAAAAAAABcAAAAUAAAAAAAAAAAAAAD/fwAA/38AAAAAAAAJAAAABAAAAPCmZ7seAAAAaAAAAAAAAAAAAAAAAAAAAAAAAAAAAAAAECcAABAnAAAAAAAAAAAAAAAAAAAAAAAAAAAAAAAAAAAAAAAAAAAAABQAAAAAAAAAwMD/AAAAAABkAAAAMgAAAAAAAABkAAAAAAAAAH9/fwAKAAAAIgAAABgAAAAAAAAAAAAAAAAAAAAAAAAAAAAAAAAAAAAkAAAAJAAAAAAAAAAHAAAAAAAAAAAAAAAAAAAAAAAAAAAAAAAAAAAAf39/ACUAAABYAAAAAAAAAAAAAAAAAAAAAAAAAAAAAAAAAAAAAAAAAAAAAAAAAAAAAAAAAAAAAAA/AAAAAAAAAKCGAQAAAAAAAAAAAAAAAAAMAAAAAQAAAAAAAAAAAAAAAAAAAB8AAABUAAAARHLEBf///wEAAAAAAAAAAAAAAAAAAAAAAAAAAAAAAAAAAAAAAAAAAAAAAAJ/f38A5+bmA8zMzADAwP8Af39/AAAAAAAAAAAAAAAAAAAAAAAAAAAAIQAAABgAAAAUAAAAKAUAAD8CAADYRQAAZwoAABAAAAAmAAAACAAAAAAAAAAAAAAAMAAAABQAAAAAAAAAAAD//wAAAQAAAP//AAABAA=="/>
-              </a:ext>
-            </a:extLst>
-          </p:cNvSpPr>
-          <p:nvPr>
-            <p:ph type="title"/>
-          </p:nvPr>
-        </p:nvSpPr>
-        <p:spPr/>
-        <p:txBody>
-          <a:bodyPr/>
-          <a:lstStyle/>
-          <a:p>
-            <a:pPr>
-              <a:defRPr lang="ru-ru"/>
-            </a:pPr>
-          </a:p>
-        </p:txBody>
-      </p:sp>
-      <p:sp>
-        <p:nvSpPr>
-          <p:cNvPr id="3" name="Объект 2"/>
-          <p:cNvSpPr>
-            <a:spLocks noGrp="1" noChangeArrowheads="1"/>
-            <a:extLst>
-              <a:ext uri="smNativeData">
-                <pr:smNativeData xmlns:pr="smNativeData" xmlns="smNativeData" val="SMDATA_16_xzE7ZxMAAAAlAAAAZAAAAA0AAAAAkAAAAEgAAACQAAAASAAAAAAAAAAAAAAAAAAAAAEAAABQAAAAAAAAAAAA4D8AAAAAAADgPwAAAAAAAOA/AAAAAAAA4D8AAAAAAADgPwAAAAAAAOA/AAAAAAAA4D8AAAAAAADgPwAAAAAAAOA/AAAAAAAA4D8CAAAAjAAAAAAAAAAAAAAARHLEDP///wgAAAAAAAAAAAAAAAAAAAAAAAAAAAAAAAAAAAAAZAAAAAEAAABAAAAAAAAAAAAAAAAAAAAAAAAAAAAAAAAAAAAAAAAAAAAAAAAAAAAAAAAAAAAAAAAAAAAAAAAAAAAAAAAAAAAAAAAAAAAAAAAAAAAAAAAAAAAAAAAAAAAAFAAAADwAAAAAAAAAAAAAAAAAAAkUAAAAAQAAABQAAAAUAAAAFAAAAAEAAAAAAAAAZAAAAGQAAAAAAAAAZAAAAGQAAAAVAAAAYAAAAAAAAAAAAAAADwAAACADAAAAAAAAAAAAAAEAAACgMgAAVgcAAKr4//8BAAAAf39/AAEAAABkAAAAAAAAABQAAABAHwAAAAAAACYAAAAAAAAAwOD//wAAAAAmAAAAZAAAABYAAABMAAAAAAAAAAAAAAAEAAAAAAAAAAEAAADn5uYKAAAAACgAAAAoAAAAZAAAAGQAAAAAAAAAzMzMAAAAAABQAAAAUAAAAGQAAABkAAAAAAAAABcAAAAUAAAAAAAAAAAAAAD/fwAA/38AAAAAAAAJAAAABAAAABAFBAAeAAAAaAAAAAAAAAAAAAAAAAAAAAAAAAAAAAAAECcAABAnAAAAAAAAAAAAAAAAAAAAAAAAAAAAAAAAAAAAAAAAAAAAABQAAAAAAAAAwMD/AAAAAABkAAAAMgAAAAAAAABkAAAAAAAAAH9/fwAKAAAAIgAAABgAAAAAAAAAAAAAAAAAAAAAAAAAAAAAAAAAAAAkAAAAJAAAAAAAAAAHAAAAAAAAAAAAAAAAAAAAAAAAAAAAAAAAAAAAf39/ACUAAABYAAAAAAAAAAAAAAAAAAAAAAAAAAAAAAAAAAAAAAAAAAAAAAAAAAAAAAAAAAAAAAA/AAAAAAAAAKCGAQAAAAAAAAAAAAAAAAAMAAAAAQAAAAAAAAAAAAAAAAAAAB8AAABUAAAARHLEBf///wEAAAAAAAAAAAAAAAAAAAAAAAAAAAAAAAAAAAAAAAAAAAAAAAJ/f38A5+bmA8zMzADAwP8Af39/AAAAAAAAAAAAAAAAAAAAAAAAAAAAIQAAABgAAAAUAAAAKAUAADsLAADYRQAAACYAABAAAAAmAAAACAAAAAAAAAAAAAAAMAAAABQAAAAAAAAAAAD//wAAAQAAAP//AAABAA=="/>
-              </a:ext>
-            </a:extLst>
-          </p:cNvSpPr>
-          <p:nvPr>
-            <p:ph type="body" idx="1"/>
-          </p:nvPr>
-        </p:nvSpPr>
-        <p:spPr/>
-        <p:txBody>
-          <a:bodyPr/>
-          <a:lstStyle/>
-          <a:p>
-            <a:pPr>
-              <a:defRPr lang="ru-ru"/>
-            </a:pPr>
-          </a:p>
-        </p:txBody>
-      </p:sp>
-    </p:spTree>
-  </p:cSld>
-  <p:clrMapOvr>
-    <a:masterClrMapping/>
-  </p:clrMapOvr>
-  <p:timing>
-    <p:tnLst>
-      <p:par>
-        <p:cTn id="1" dur="indefinite" restart="never" nodeType="tmRoot"/>
-      </p:par>
-    </p:tnLst>
-  </p:timing>
-</p:sld>
-</file>
-
-<file path=ppt/slides/slide8.xml><?xml version="1.0" encoding="utf-8"?>
-<p:sld xmlns:p="http://schemas.openxmlformats.org/presentationml/2006/main" xmlns:mc="http://schemas.openxmlformats.org/markup-compatibility/2006" xmlns:p14="http://schemas.microsoft.com/office/powerpoint/2010/main" xmlns:p15="http://schemas.microsoft.com/office/powerpoint/2012/main" xmlns:r="http://schemas.openxmlformats.org/officeDocument/2006/relationships" xmlns:a="http://schemas.openxmlformats.org/drawingml/2006/main" mc:Ignorable="p14">
-  <p:cSld>
-    <p:spTree>
-      <p:nvGrpSpPr>
-        <p:cNvPr id="1" name=""/>
-        <p:cNvGrpSpPr/>
-        <p:nvPr/>
-      </p:nvGrpSpPr>
-      <p:grpSpPr>
-        <a:xfrm>
-          <a:off x="0" y="0"/>
-          <a:ext cx="0" cy="0"/>
-          <a:chOff x="0" y="0"/>
-          <a:chExt cx="0" cy="0"/>
-        </a:xfrm>
-      </p:grpSpPr>
-      <p:sp>
-        <p:nvSpPr>
-          <p:cNvPr id="2" name="Заголовок 1"/>
-          <p:cNvSpPr>
-            <a:spLocks noGrp="1" noChangeArrowheads="1"/>
-            <a:extLst>
-              <a:ext uri="smNativeData">
-                <pr:smNativeData xmlns:pr="smNativeData" xmlns="smNativeData" val="SMDATA_16_xzE7ZxMAAAAlAAAAZAAAAA0AAAAAkAAAAEgAAACQAAAASAAAAAAAAAABAAAAAAAAAAEAAABQAAAAAAAAAAAA4D8AAAAAAADgPwAAAAAAAOA/AAAAAAAA4D8AAAAAAADgPwAAAAAAAOA/AAAAAAAA4D8AAAAAAADgPwAAAAAAAOA/AAAAAAAA4D8CAAAAjAAAAAAAAAAAAAAARHLEDP///wgAAAAAAAAAAAAAAAAAAAAAAAAAAAAAAAAAAAAAZAAAAAEAAABAAAAAAAAAAAAAAAAAAAAAAAAAAAAAAAAAAAAAAAAAAAAAAAAAAAAAAAAAAAAAAAAAAAAAAAAAAAAAAAAAAAAAAAAAAAAAAAAAAAAAAAAAAAAAAAAAAAAAFAAAADwAAAAAAAAAAAAAAAAAAAkUAAAAAQAAABQAAAAUAAAAFAAAAAEAAAAAAAAAZAAAAGQAAAAAAAAAZAAAAGQAAAAVAAAAYAAAAAAAAAAAAAAADwAAACADAAAAAAAAAAAAAAEAAACgMgAAVgcAAKr4//8BAAAAf39/AAEAAABkAAAAAAAAABQAAABAHwAAAAAAACYAAAAAAAAAwOD//wAAAAAmAAAAZAAAABYAAABMAAAAAAAAAAAAAAAEAAAAAAAAAAEAAADn5uYKAAAAACgAAAAoAAAAZAAAAGQAAAAAAAAAzMzMAAAAAABQAAAAUAAAAGQAAABkAAAAAAAAABcAAAAUAAAAAAAAAAAAAAD/fwAA/38AAAAAAAAJAAAABAAAANCabbseAAAAaAAAAAAAAAAAAAAAAAAAAAAAAAAAAAAAECcAABAnAAAAAAAAAAAAAAAAAAAAAAAAAAAAAAAAAAAAAAAAAAAAABQAAAAAAAAAwMD/AAAAAABkAAAAMgAAAAAAAABkAAAAAAAAAH9/fwAKAAAAIgAAABgAAAAAAAAAAAAAAAAAAAAAAAAAAAAAAAAAAAAkAAAAJAAAAAAAAAAHAAAAAAAAAAAAAAAAAAAAAAAAAAAAAAAAAAAAf39/ACUAAABYAAAAAAAAAAAAAAAAAAAAAAAAAAAAAAAAAAAAAAAAAAAAAAAAAAAAAAAAAAAAAAA/AAAAAAAAAKCGAQAAAAAAAAAAAAAAAAAMAAAAAQAAAAAAAAAAAAAAAAAAAB8AAABUAAAARHLEBf///wEAAAAAAAAAAAAAAAAAAAAAAAAAAAAAAAAAAAAAAAAAAAAAAAJ/f38A5+bmA8zMzADAwP8Af39/AAAAAAAAAAAAAAAAAAAAAAAAAAAAIQAAABgAAAAUAAAAKAUAAD8CAADYRQAAUwYAABAAAAAmAAAACAAAAAEgAAAAAAAAMAAAABQAAAAAAAAAAAD//wAAAQAAAP//AAABAA=="/>
-              </a:ext>
-            </a:extLst>
-          </p:cNvSpPr>
-          <p:nvPr>
-            <p:ph type="title"/>
-          </p:nvPr>
-        </p:nvSpPr>
-        <p:spPr>
-          <a:xfrm>
-            <a:off x="838200" y="365125"/>
-            <a:ext cx="10515600" cy="662940"/>
-          </a:xfrm>
-        </p:spPr>
-        <p:txBody>
-          <a:bodyPr vert="horz" wrap="square" lIns="91440" tIns="45720" rIns="91440" bIns="45720" numCol="1" spcCol="215900" anchor="ctr">
-            <a:prstTxWarp prst="textNoShape">
-              <a:avLst/>
-            </a:prstTxWarp>
-          </a:bodyPr>
-          <a:lstStyle/>
-          <a:p>
-            <a:pPr>
-              <a:spcBef>
-                <a:spcPts val="0"/>
-              </a:spcBef>
-              <a:defRPr lang="ru-ru" sz="3960" cap="none"/>
-            </a:pPr>
-            <a:r>
-              <a:rPr lang="en-us" cap="none"/>
-              <a:t>S</a:t>
-            </a:r>
-            <a:endParaRPr lang="en-us" cap="none"/>
-          </a:p>
-        </p:txBody>
-      </p:sp>
-      <p:sp>
-        <p:nvSpPr>
-          <p:cNvPr id="3" name="Объект 2"/>
-          <p:cNvSpPr>
-            <a:spLocks noGrp="1" noChangeArrowheads="1"/>
-            <a:extLst>
-              <a:ext uri="smNativeData">
-                <pr:smNativeData xmlns:pr="smNativeData" xmlns="smNativeData" val="SMDATA_16_xzE7ZxMAAAAlAAAAZAAAAA0AAAAAkAAAAEgAAACQAAAASAAAAAAAAAAAAAAAAAAAAAEAAABQAAAAAAAAAAAA4D8AAAAAAADgPwAAAAAAAOA/AAAAAAAA4D8AAAAAAADgPwAAAAAAAOA/AAAAAAAA4D8AAAAAAADgPwAAAAAAAOA/AAAAAAAA4D8CAAAAjAAAAAAAAAAAAAAARHLEDP///wgAAAAAAAAAAAAAAAAAAAAAAAAAAAAAAAAAAAAAZAAAAAEAAABAAAAAAAAAAAAAAAAAAAAAAAAAAAAAAAAAAAAAAAAAAAAAAAAAAAAAAAAAAAAAAAAAAAAAAAAAAAAAAAAAAAAAAAAAAAAAAAAAAAAAAAAAAAAAAAAAAAAAFAAAADwAAAAAAAAAAAAAAAAAAAkUAAAAAQAAABQAAAAUAAAAFAAAAAEAAAAAAAAAZAAAAGQAAAAAAAAAZAAAAGQAAAAVAAAAYAAAAAAAAAAAAAAADwAAACADAAAAAAAAAAAAAAEAAACgMgAAVgcAAKr4//8BAAAAf39/AAEAAABkAAAAAAAAABQAAABAHwAAAAAAACYAAAAAAAAAwOD//wAAAAAmAAAAZAAAABYAAABMAAAAAAAAAAAAAAAEAAAAAAAAAAEAAADn5uYKAAAAACgAAAAoAAAAZAAAAGQAAAAAAAAAzMzMAAAAAABQAAAAUAAAAGQAAABkAAAAAAAAABcAAAAUAAAAAAAAAAAAAAD/fwAA/38AAAAAAAAJAAAABAAAAAAAAAAeAAAAaAAAAAAAAAAAAAAAAAAAAAAAAAAAAAAAECcAABAnAAAAAAAAAAAAAAAAAAAAAAAAAAAAAAAAAAAAAAAAAAAAABQAAAAAAAAAwMD/AAAAAABkAAAAMgAAAAAAAABkAAAAAAAAAH9/fwAKAAAAIgAAABgAAAAAAAAAAAAAAAAAAAAAAAAAAAAAAAAAAAAkAAAAJAAAAAAAAAAHAAAAAAAAAAAAAAAAAAAAAAAAAAAAAAAAAAAAf39/ACUAAABYAAAAAAAAAAAAAAAAAAAAAAAAAAAAAAAAAAAAAAAAAAAAAAAAAAAAAAAAAAAAAAA/AAAAAAAAAKCGAQAAAAAAAAAAAAAAAAAMAAAAAQAAAAAAAAAAAAAAAAAAAB8AAABUAAAARHLEBf///wEAAAAAAAAAAAAAAAAAAAAAAAAAAAAAAAAAAAAAAAAAAAAAAAJ/f38A5+bmA8zMzADAwP8Af39/AAAAAAAAAAAAAAAAAAAAAAAAAAAAIQAAABgAAAAUAAAAKAUAADsLAADYRQAAACYAABAAAAAmAAAACAAAAAAAAAAAAAAAMAAAABQAAAAAAAAAAAD//wAAAQAAAP//AAABAA=="/>
-              </a:ext>
-            </a:extLst>
-          </p:cNvSpPr>
-          <p:nvPr>
-            <p:ph type="body" idx="1"/>
-          </p:nvPr>
-        </p:nvSpPr>
-        <p:spPr/>
-        <p:txBody>
-          <a:bodyPr/>
-          <a:lstStyle/>
-          <a:p>
-            <a:pPr>
-              <a:defRPr lang="ru-ru"/>
-            </a:pPr>
-          </a:p>
-        </p:txBody>
-      </p:sp>
-      <p:pic>
-        <p:nvPicPr>
-          <p:cNvPr id="4" name="Рисунок 6"/>
-          <p:cNvPicPr>
-            <a:picLocks noChangeAspect="1"/>
-            <a:extLst>
-              <a:ext uri="smNativeData">
-                <pr:smNativeData xmlns:pr="smNativeData" xmlns="smNativeData" val="SMDATA_18_xzE7ZxMAAAAlAAAAEQAAAC0AAAAAkAAAAEgAAACQAAAASAAAAAAAAAAAAAAAAAAAAAEAAABQAAAAAAAAAAAA4D8AAAAAAADgPwAAAAAAAOA/AAAAAAAA4D8AAAAAAADgPwAAAAAAAOA/AAAAAAAA4D8AAAAAAADgPwAAAAAAAOA/AAAAAAAA4D8CAAAAjAAAAAAAAAAAAAAARHLEDP///wgAAAAAAAAAAAAAAAAAAAAAAAAAAAAAAAAAAAAAZAAAAAEAAABAAAAAAAAAAAAAAAAAAAAAAAAAAAAAAAAAAAAAAAAAAAAAAAAAAAAAAAAAAAAAAAAAAAAAAAAAAAAAAAAAAAAAAAAAAAAAAAAAAAAAAAAAAAAAAAAAAAAAFAAAADwAAAAAAAAAAAAAAAAAAAkUAAAAAQAAABQAAAAUAAAAFAAAAAEAAAAAAAAAZAAAAGQAAAAAAAAAZAAAAGQAAAAVAAAAYAAAAAAAAAAAAAAADwAAACADAAAAAAAAAAAAAAEAAACgMgAAVgcAAKr4//8BAAAAf39/AAEAAABkAAAAAAAAABQAAABAHwAAAAAAACYAAAAAAAAAwOD//wAAAAAmAAAAZAAAABYAAABMAAAAAAAAAAAAAAAEAAAAAAAAAAEAAADn5uYKAAAAACgAAAAoAAAAZAAAAGQAAAAAAAAAzMzMAAAAAABQAAAAUAAAAGQAAABkAAAAAAAAAAcAAAA4AAAAAAAAAAAAAAAAAAAA////AAAAAAAAAAAAAAAAAAAAAAAAAAAAAAAAAAAAAABkAAAAZAAAAAAAAAAjAAAABAAAAGQAAAAXAAAAFAAAAAAAAAAAAAAA/38AAP9/AAAAAAAACQAAAAQAAAD/////HgAAAGgAAAAAAAAAAAAAAAAAAAAAAAAAAAAAABAnAAAQJwAAAAAAAAAAAAAAAAAAAAAAAAAAAAAAAAAAAAAAAAAAAAAUAAAAAAAAAMDA/wAAAAAAZAAAADIAAAAAAAAAZAAAAAAAAAB/f38ACgAAACIAAAAYAAAAAAAAAAAAAAAAAAAAAAAAAAAAAAAAAAAAJAAAACQAAAAAAAAABwAAAAAAAAAAAAAAAAAAAAAAAAAAAAAAAAAAAH9/fwAlAAAAWAAAAAAAAAAAAAAAAAAAAAAAAAAAAAAAAAAAAAAAAAAAAAAAAAAAAAAAAAAAAAAAPwAAAAAAAACghgEAAAAAAAAAAAAAAAAADAAAAAEAAAAAAAAAAAAAAAAAAAAfAAAAVAAAAERyxAX///8BAAAAAAAAAAAAAAAAAAAAAAAAAAAAAAAAAAAAAAAAAAAAAAACf39/AOfm5gPMzMwAwMD/AH9/fwAAAAAAAAAAAAAAAAD///8AAAAAACEAAAAYAAAAFAAAAJYDAABTBgAAOiMAAFEmAAAQAAAAJgAAAAgAAAD//////////zAAAAAUAAAAAAAAAAAA//8AAAEAAAD//wAAAQA="/>
-              </a:ext>
-            </a:extLst>
-          </p:cNvPicPr>
-          <p:nvPr/>
-        </p:nvPicPr>
-        <p:blipFill>
-          <a:blip r:embed="rId2"/>
-          <a:stretch>
-            <a:fillRect/>
-          </a:stretch>
-        </p:blipFill>
-        <p:spPr>
-          <a:xfrm>
-            <a:off x="582930" y="1028065"/>
-            <a:ext cx="5143500" cy="5200650"/>
-          </a:xfrm>
-          <a:prstGeom prst="rect">
-            <a:avLst/>
-          </a:prstGeom>
-          <a:noFill/>
-          <a:ln>
-            <a:noFill/>
-          </a:ln>
-          <a:effectLst/>
-        </p:spPr>
-      </p:pic>
-    </p:spTree>
-  </p:cSld>
-  <p:clrMapOvr>
-    <a:masterClrMapping/>
-  </p:clrMapOvr>
-  <p:timing>
-    <p:tnLst>
-      <p:par>
-        <p:cTn id="1" dur="indefinite" restart="never" nodeType="tmRoot"/>
-      </p:par>
-    </p:tnLst>
-  </p:timing>
-</p:sld>
-</file>
-
-<file path=ppt/slides/slide9.xml><?xml version="1.0" encoding="utf-8"?>
-<p:sld xmlns:p="http://schemas.openxmlformats.org/presentationml/2006/main" xmlns:mc="http://schemas.openxmlformats.org/markup-compatibility/2006" xmlns:p14="http://schemas.microsoft.com/office/powerpoint/2010/main" xmlns:p15="http://schemas.microsoft.com/office/powerpoint/2012/main" xmlns:r="http://schemas.openxmlformats.org/officeDocument/2006/relationships" xmlns:a="http://schemas.openxmlformats.org/drawingml/2006/main" mc:Ignorable="p14">
-  <p:cSld>
-    <p:spTree>
-      <p:nvGrpSpPr>
-        <p:cNvPr id="1" name=""/>
-        <p:cNvGrpSpPr/>
-        <p:nvPr/>
-      </p:nvGrpSpPr>
-      <p:grpSpPr>
-        <a:xfrm>
-          <a:off x="0" y="0"/>
-          <a:ext cx="0" cy="0"/>
-          <a:chOff x="0" y="0"/>
-          <a:chExt cx="0" cy="0"/>
-        </a:xfrm>
-      </p:grpSpPr>
-      <p:sp>
-        <p:nvSpPr>
-          <p:cNvPr id="2" name="Заголовок 1"/>
-          <p:cNvSpPr>
-            <a:spLocks noGrp="1" noChangeArrowheads="1"/>
-            <a:extLst>
-              <a:ext uri="smNativeData">
-                <pr:smNativeData xmlns:pr="smNativeData" xmlns="smNativeData" val="SMDATA_16_xzE7ZxMAAAAlAAAAZAAAAA0AAAAAkAAAAEgAAACQAAAASAAAAAAAAAABAAAAAAAAAAEAAABQAAAAAAAAAAAA4D8AAAAAAADgPwAAAAAAAOA/AAAAAAAA4D8AAAAAAADgPwAAAAAAAOA/AAAAAAAA4D8AAAAAAADgPwAAAAAAAOA/AAAAAAAA4D8CAAAAjAAAAAAAAAAAAAAARHLEDP///wgAAAAAAAAAAAAAAAAAAAAAAAAAAAAAAAAAAAAAZAAAAAEAAABAAAAAAAAAAAAAAAAAAAAAAAAAAAAAAAAAAAAAAAAAAAAAAAAAAAAAAAAAAAAAAAAAAAAAAAAAAAAAAAAAAAAAAAAAAAAAAAAAAAAAAAAAAAAAAAAAAAAAFAAAADwAAAAAAAAAAAAAAAAAAAkUAAAAAQAAABQAAAAUAAAAFAAAAAEAAAAAAAAAZAAAAGQAAAAAAAAAZAAAAGQAAAAVAAAAYAAAAAAAAAAAAAAADwAAACADAAAAAAAAAAAAAAEAAACgMgAAVgcAAKr4//8BAAAAf39/AAEAAABkAAAAAAAAABQAAABAHwAAAAAAACYAAAAAAAAAwOD//wAAAAAmAAAAZAAAABYAAABMAAAAAAAAAAAAAAAEAAAAAAAAAAEAAADn5uYKAAAAACgAAAAoAAAAZAAAAGQAAAAAAAAAzMzMAAAAAABQAAAAUAAAAGQAAABkAAAAAAAAABcAAAAUAAAAAAAAAAAAAAD/fwAA/38AAAAAAAAJAAAABAAAAAAAAAAeAAAAaAAAAAAAAAAAAAAAAAAAAAAAAAAAAAAAECcAABAnAAAAAAAAAAAAAAAAAAAAAAAAAAAAAAAAAAAAAAAAAAAAABQAAAAAAAAAwMD/AAAAAABkAAAAMgAAAAAAAABkAAAAAAAAAH9/fwAKAAAAIgAAABgAAAAAAAAAAAAAAAAAAAAAAAAAAAAAAAAAAAAkAAAAJAAAAAAAAAAHAAAAAAAAAAAAAAAAAAAAAAAAAAAAAAAAAAAAf39/ACUAAABYAAAAAAAAAAAAAAAAAAAAAAAAAAAAAAAAAAAAAAAAAAAAAAAAAAAAAAAAAAAAAAA/AAAAAAAAAKCGAQAAAAAAAAAAAAAAAAAMAAAAAQAAAAAAAAAAAAAAAAAAAB8AAABUAAAARHLEBf///wEAAAAAAAAAAAAAAAAAAAAAAAAAAAAAAAAAAAAAAAAAAAAAAAJ/f38A5+bmA8zMzADAwP8Af39/AAAAAAAAAAAAAAAAAAAAAAAAAAAAIQAAABgAAAAUAAAAKAUAAD8CAADYRQAAZwoAABAAAAAmAAAACAAAAAAAAAAAAAAAMAAAABQAAAAAAAAAAAD//wAAAQAAAP//AAABAA=="/>
-              </a:ext>
-            </a:extLst>
-          </p:cNvSpPr>
-          <p:nvPr>
-            <p:ph type="title"/>
-          </p:nvPr>
-        </p:nvSpPr>
-        <p:spPr/>
-        <p:txBody>
-          <a:bodyPr/>
-          <a:lstStyle/>
-          <a:p>
-            <a:pPr>
-              <a:defRPr lang="ru-ru"/>
-            </a:pPr>
-            <a:r>
-              <a:t>res</a:t>
-            </a:r>
-          </a:p>
-        </p:txBody>
-      </p:sp>
-      <p:sp>
-        <p:nvSpPr>
-          <p:cNvPr id="3" name="Объект 2"/>
-          <p:cNvSpPr>
-            <a:spLocks noGrp="1" noChangeArrowheads="1"/>
-            <a:extLst>
-              <a:ext uri="smNativeData">
-                <pr:smNativeData xmlns:pr="smNativeData" xmlns="smNativeData" val="SMDATA_16_xzE7ZxMAAAAlAAAAZAAAAA0AAAAAkAAAAEgAAACQAAAASAAAAAAAAAAAAAAAAAAAAAEAAABQAAAAAAAAAAAA4D8AAAAAAADgPwAAAAAAAOA/AAAAAAAA4D8AAAAAAADgPwAAAAAAAOA/AAAAAAAA4D8AAAAAAADgPwAAAAAAAOA/AAAAAAAA4D8CAAAAjAAAAAAAAAAAAAAARHLEDP///wgAAAAAAAAAAAAAAAAAAAAAAAAAAAAAAAAAAAAAZAAAAAEAAABAAAAAAAAAAAAAAAAAAAAAAAAAAAAAAAAAAAAAAAAAAAAAAAAAAAAAAAAAAAAAAAAAAAAAAAAAAAAAAAAAAAAAAAAAAAAAAAAAAAAAAAAAAAAAAAAAAAAAFAAAADwAAAAAAAAAAAAAAAAAAAkUAAAAAQAAABQAAAAUAAAAFAAAAAEAAAAAAAAAZAAAAGQAAAAAAAAAZAAAAGQAAAAVAAAAYAAAAAAAAAAAAAAADwAAACADAAAAAAAAAAAAAAEAAACgMgAAVgcAAKr4//8BAAAAf39/AAEAAABkAAAAAAAAABQAAABAHwAAAAAAACYAAAAAAAAAwOD//wAAAAAmAAAAZAAAABYAAABMAAAAAAAAAAAAAAAEAAAAAAAAAAEAAADn5uYKAAAAACgAAAAoAAAAZAAAAGQAAAAAAAAAzMzMAAAAAABQAAAAUAAAAGQAAABkAAAAAAAAABcAAAAUAAAAAAAAAAAAAAD/fwAA/38AAAAAAAAJAAAABAAAAAAAAAAeAAAAaAAAAAAAAAAAAAAAAAAAAAAAAAAAAAAAECcAABAnAAAAAAAAAAAAAAAAAAAAAAAAAAAAAAAAAAAAAAAAAAAAABQAAAAAAAAAwMD/AAAAAABkAAAAMgAAAAAAAABkAAAAAAAAAH9/fwAKAAAAIgAAABgAAAAAAAAAAAAAAAAAAAAAAAAAAAAAAAAAAAAkAAAAJAAAAAAAAAAHAAAAAAAAAAAAAAAAAAAAAAAAAAAAAAAAAAAAf39/ACUAAABYAAAAAAAAAAAAAAAAAAAAAAAAAAAAAAAAAAAAAAAAAAAAAAAAAAAAAAAAAAAAAAA/AAAAAAAAAKCGAQAAAAAAAAAAAAAAAAAMAAAAAQAAAAAAAAAAAAAAAAAAAB8AAABUAAAARHLEBf///wEAAAAAAAAAAAAAAAAAAAAAAAAAAAAAAAAAAAAAAAAAAAAAAAJ/f38A5+bmA8zMzADAwP8Af39/AAAAAAAAAAAAAAAAAAAAAAAAAAAAIQAAABgAAAAUAAAAKAUAADsLAADYRQAAACYAABAAAAAmAAAACAAAAAAAAAAAAAAAMAAAABQAAAAAAAAAAAD//wAAAQAAAP//AAABAA=="/>
-              </a:ext>
-            </a:extLst>
-          </p:cNvSpPr>
-          <p:nvPr>
-            <p:ph type="body" idx="1"/>
-          </p:nvPr>
-        </p:nvSpPr>
-        <p:spPr/>
-        <p:txBody>
-          <a:bodyPr/>
-          <a:lstStyle/>
-          <a:p>
-            <a:pPr>
-              <a:defRPr lang="ru-ru"/>
-            </a:pPr>
-          </a:p>
-        </p:txBody>
-      </p:sp>
-      <p:pic>
-        <p:nvPicPr>
-          <p:cNvPr id="4" name="Рисунок 4"/>
-          <p:cNvPicPr>
-            <a:picLocks noChangeAspect="1"/>
-            <a:extLst>
-              <a:ext uri="smNativeData">
-                <pr:smNativeData xmlns:pr="smNativeData" xmlns="smNativeData" val="SMDATA_18_xzE7ZxMAAAAlAAAAEQAAAC0AAAAAkAAAAEgAAACQAAAASAAAAAAAAAAAAAAAAAAAAAEAAABQAAAAAAAAAAAA4D8AAAAAAADgPwAAAAAAAOA/AAAAAAAA4D8AAAAAAADgPwAAAAAAAOA/AAAAAAAA4D8AAAAAAADgPwAAAAAAAOA/AAAAAAAA4D8CAAAAjAAAAAAAAAAAAAAARHLEDP///wgAAAAAAAAAAAAAAAAAAAAAAAAAAAAAAAAAAAAAZAAAAAEAAABAAAAAAAAAAAAAAAAAAAAAAAAAAAAAAAAAAAAAAAAAAAAAAAAAAAAAAAAAAAAAAAAAAAAAAAAAAAAAAAAAAAAAAAAAAAAAAAAAAAAAAAAAAAAAAAAAAAAAFAAAADwAAAAAAAAAAAAAAAAAAAkUAAAAAQAAABQAAAAUAAAAFAAAAAEAAAAAAAAAZAAAAGQAAAAAAAAAZAAAAGQAAAAVAAAAYAAAAAAAAAAAAAAADwAAACADAAAAAAAAAAAAAAEAAACgMgAAVgcAAKr4//8BAAAAf39/AAEAAABkAAAAAAAAABQAAABAHwAAAAAAACYAAAAAAAAAwOD//wAAAAAmAAAAZAAAABYAAABMAAAAAAAAAAAAAAAEAAAAAAAAAAEAAADn5uYKAAAAACgAAAAoAAAAZAAAAGQAAAAAAAAAzMzMAAAAAABQAAAAUAAAAGQAAABkAAAAAAAAAAcAAAA4AAAAAAAAAAAAAAAAAAAA////AAAAAAAAAAAAAAAAAAAAAAAAAAAAAAAAAAAAAABkAAAAZAAAAAAAAAAjAAAABAAAAGQAAAAXAAAAFAAAAAAAAAAAAAAA/38AAP9/AAAAAAAACQAAAAQAAAD/////HgAAAGgAAAAAAAAAAAAAAAAAAAAAAAAAAAAAABAnAAAQJwAAAAAAAAAAAAAAAAAAAAAAAAAAAAAAAAAAAAAAAAAAAAAUAAAAAAAAAMDA/wAAAAAAZAAAADIAAAAAAAAAZAAAAAAAAAB/f38ACgAAACIAAAAYAAAAAAAAAAAAAAAAAAAAAAAAAAAAAAAAAAAAJAAAACQAAAAAAAAABwAAAAAAAAAAAAAAAAAAAAAAAAAAAAAAAAAAAH9/fwAlAAAAWAAAAAAAAAAAAAAAAAAAAAAAAAAAAAAAAAAAAAAAAAAAAAAAAAAAAAAAAAAAAAAAPwAAAAAAAACghgEAAAAAAAAAAAAAAAAADAAAAAEAAAAAAAAAAAAAAAAAAAAfAAAAVAAAAERyxAX///8BAAAAAAAAAAAAAAAAAAAAAAAAAAAAAAAAAAAAAAAAAAAAAAACf39/AOfm5gPMzMwAwMD/AH9/fwAAAAAAAAAAAAAAAAD///8AAAAAACEAAAAYAAAAFAAAAPMrAAAYFQAAw0YAANQmAAAQAAAAJgAAAAgAAAD//////////zAAAAAUAAAAAAAAAAAA//8AAAEAAAD//wAAAQA="/>
-              </a:ext>
-            </a:extLst>
-          </p:cNvPicPr>
-          <p:nvPr/>
-        </p:nvPicPr>
-        <p:blipFill>
-          <a:blip r:embed="rId3"/>
-          <a:stretch>
-            <a:fillRect/>
-          </a:stretch>
-        </p:blipFill>
-        <p:spPr>
-          <a:xfrm>
-            <a:off x="7144385" y="3429000"/>
-            <a:ext cx="4358640" cy="2882900"/>
-          </a:xfrm>
-          <a:prstGeom prst="rect">
-            <a:avLst/>
-          </a:prstGeom>
-          <a:noFill/>
-          <a:ln>
-            <a:noFill/>
-          </a:ln>
-          <a:effectLst/>
-        </p:spPr>
-      </p:pic>
-      <p:pic>
-        <p:nvPicPr>
-          <p:cNvPr id="5" name="Рисунок 6"/>
-          <p:cNvPicPr>
-            <a:picLocks noChangeAspect="1"/>
-            <a:extLst>
-              <a:ext uri="smNativeData">
-                <pr:smNativeData xmlns:pr="smNativeData" xmlns="smNativeData" val="SMDATA_18_xzE7ZxMAAAAlAAAAEQAAAC0AAAAAkAAAAEgAAACQAAAASAAAAAAAAAAAAAAAAAAAAAEAAABQAAAAAAAAAAAA4D8AAAAAAADgPwAAAAAAAOA/AAAAAAAA4D8AAAAAAADgPwAAAAAAAOA/AAAAAAAA4D8AAAAAAADgPwAAAAAAAOA/AAAAAAAA4D8CAAAAjAAAAAAAAAAAAAAARHLEDP///wgAAAAAAAAAAAAAAAAAAAAAAAAAAAAAAAAAAAAAZAAAAAEAAABAAAAAAAAAAAAAAAAAAAAAAAAAAAAAAAAAAAAAAAAAAAAAAAAAAAAAAAAAAAAAAAAAAAAAAAAAAAAAAAAAAAAAAAAAAAAAAAAAAAAAAAAAAAAAAAAAAAAAFAAAADwAAAAAAAAAAAAAAAAAAAkUAAAAAQAAABQAAAAUAAAAFAAAAAEAAAAAAAAAZAAAAGQAAAAAAAAAZAAAAGQAAAAVAAAAYAAAAAAAAAAAAAAADwAAACADAAAAAAAAAAAAAAEAAACgMgAAVgcAAKr4//8BAAAAf39/AAEAAABkAAAAAAAAABQAAABAHwAAAAAAACYAAAAAAAAAwOD//wAAAAAmAAAAZAAAABYAAABMAAAAAAAAAAAAAAAEAAAAAAAAAAEAAADn5uYKAAAAACgAAAAoAAAAZAAAAGQAAAAAAAAAzMzMAAAAAABQAAAAUAAAAGQAAABkAAAAAAAAAAcAAAA4AAAAAAAAAAAAAAAAAAAA////AAAAAAAAAAAAAAAAAAAAAAAAAAAAAAAAAAAAAABkAAAAZAAAAAAAAAAjAAAABAAAAGQAAAAXAAAAFAAAAAAAAAAAAAAA/38AAP9/AAAAAAAACQAAAAQAAAD/////HgAAAGgAAAAAAAAAAAAAAAAAAAAAAAAAAAAAABAnAAAQJwAAAAAAAAAAAAAAAAAAAAAAAAAAAAAAAAAAAAAAAAAAAAAUAAAAAAAAAMDA/wAAAAAAZAAAADIAAAAAAAAAZAAAAAAAAAB/f38ACgAAACIAAAAYAAAAAAAAAAAAAAAAAAAAAAAAAAAAAAAAAAAAJAAAACQAAAAAAAAABwAAAAAAAAAAAAAAAAAAAAAAAAAAAAAAAAAAAH9/fwAlAAAAWAAAAAAAAAAAAAAAAAAAAAAAAAAAAAAAAAAAAAAAAAAAAAAAAAAAAAAAAAAAAAAAPwAAAAAAAACghgEAAAAAAAAAAAAAAAAADAAAAAEAAAAAAAAAAAAAAAAAAAAfAAAAVAAAAERyxAX///8BAAAAAAAAAAAAAAAAAAAAAAAAAAAAAAAAAAAAAAAAAAAAAAACf39/AOfm5gPMzMwAwMD/AH9/fwAAAAAAAAAAAAAAAAD///8AAAAAACEAAAAYAAAAFAAAAEkCAACQDwAAMygAAAMpAAAQAAAAJgAAAAgAAAD//////////zAAAAAUAAAAAAAAAAAA//8AAAEAAAD//wAAAQA="/>
-              </a:ext>
-            </a:extLst>
-          </p:cNvPicPr>
-          <p:nvPr/>
-        </p:nvPicPr>
-        <p:blipFill>
-          <a:blip r:embed="rId4"/>
-          <a:stretch>
-            <a:fillRect/>
-          </a:stretch>
-        </p:blipFill>
-        <p:spPr>
-          <a:xfrm>
-            <a:off x="371475" y="2529840"/>
-            <a:ext cx="6163310" cy="4137025"/>
-          </a:xfrm>
-          <a:prstGeom prst="rect">
-            <a:avLst/>
-          </a:prstGeom>
-          <a:noFill/>
-          <a:ln>
-            <a:noFill/>
-          </a:ln>
-          <a:effectLst/>
-        </p:spPr>
-      </p:pic>
-    </p:spTree>
-  </p:cSld>
-  <p:clrMapOvr>
-    <a:masterClrMapping/>
-  </p:clrMapOvr>
-  <p:timing>
-    <p:tnLst>
-      <p:par>
-        <p:cTn id="1" dur="indefinite" restart="never" nodeType="tmRoot"/>
-      </p:par>
-    </p:tnLst>
-  </p:timing>
 </p:sld>
 </file>
 
@@ -8210,90 +7880,4 @@
     </a:folHlink>
   </a:clrScheme>
 </a:themeOverride>
-</file>
-
-<file path=ppt/theme/themeOverride6.xml><?xml version="1.0" encoding="utf-8"?>
-<a:themeOverride xmlns:a="http://schemas.openxmlformats.org/drawingml/2006/main">
-  <a:clrScheme name="Presentation 1">
-    <a:dk1>
-      <a:srgbClr val="000000"/>
-    </a:dk1>
-    <a:lt1>
-      <a:srgbClr val="FFFFFF"/>
-    </a:lt1>
-    <a:dk2>
-      <a:srgbClr val="000000"/>
-    </a:dk2>
-    <a:lt2>
-      <a:srgbClr val="808080"/>
-    </a:lt2>
-    <a:accent1>
-      <a:srgbClr val="BBE0E3"/>
-    </a:accent1>
-    <a:accent2>
-      <a:srgbClr val="333399"/>
-    </a:accent2>
-    <a:accent3>
-      <a:srgbClr val="535379"/>
-    </a:accent3>
-    <a:accent4>
-      <a:srgbClr val="737359"/>
-    </a:accent4>
-    <a:accent5>
-      <a:srgbClr val="939339"/>
-    </a:accent5>
-    <a:accent6>
-      <a:srgbClr val="B3B319"/>
-    </a:accent6>
-    <a:hlink>
-      <a:srgbClr val="009999"/>
-    </a:hlink>
-    <a:folHlink>
-      <a:srgbClr val="99CC00"/>
-    </a:folHlink>
-  </a:clrScheme>
-</a:themeOverride>
-</file>
-
-<file path=ppt/theme/themeOverride7.xml><?xml version="1.0" encoding="utf-8"?>
-<a:themeOverride xmlns:a="http://schemas.openxmlformats.org/drawingml/2006/main">
-  <a:clrScheme name="Presentation 1">
-    <a:dk1>
-      <a:srgbClr val="000000"/>
-    </a:dk1>
-    <a:lt1>
-      <a:srgbClr val="FFFFFF"/>
-    </a:lt1>
-    <a:dk2>
-      <a:srgbClr val="000000"/>
-    </a:dk2>
-    <a:lt2>
-      <a:srgbClr val="808080"/>
-    </a:lt2>
-    <a:accent1>
-      <a:srgbClr val="BBE0E3"/>
-    </a:accent1>
-    <a:accent2>
-      <a:srgbClr val="333399"/>
-    </a:accent2>
-    <a:accent3>
-      <a:srgbClr val="535379"/>
-    </a:accent3>
-    <a:accent4>
-      <a:srgbClr val="737359"/>
-    </a:accent4>
-    <a:accent5>
-      <a:srgbClr val="939339"/>
-    </a:accent5>
-    <a:accent6>
-      <a:srgbClr val="B3B319"/>
-    </a:accent6>
-    <a:hlink>
-      <a:srgbClr val="009999"/>
-    </a:hlink>
-    <a:folHlink>
-      <a:srgbClr val="99CC00"/>
-    </a:folHlink>
-  </a:clrScheme>
-</a:themeOverride>
 </file>
--- a/plots.pptx
+++ b/plots.pptx
@@ -1,25 +1,23 @@
 
 <file path=ppt/presentation.xml><?xml version="1.0" encoding="utf-8"?>
-<p:presentation xmlns:p="http://schemas.openxmlformats.org/presentationml/2006/main" xmlns:mc="http://schemas.openxmlformats.org/markup-compatibility/2006" xmlns:p14="http://schemas.microsoft.com/office/powerpoint/2010/main" xmlns:p15="http://schemas.microsoft.com/office/powerpoint/2012/main" xmlns:r="http://schemas.openxmlformats.org/officeDocument/2006/relationships" xmlns:a="http://schemas.openxmlformats.org/drawingml/2006/main">
+<p:presentation xmlns:a="http://schemas.openxmlformats.org/drawingml/2006/main" xmlns:r="http://schemas.openxmlformats.org/officeDocument/2006/relationships" xmlns:p="http://schemas.openxmlformats.org/presentationml/2006/main">
   <p:sldMasterIdLst>
-    <p:sldMasterId id="2147483648" r:id="rId5"/>
+    <p:sldMasterId id="2147483648" r:id="rId1"/>
   </p:sldMasterIdLst>
   <p:notesMasterIdLst>
-    <p:notesMasterId r:id="rId6"/>
+    <p:notesMasterId r:id="rId12"/>
   </p:notesMasterIdLst>
   <p:sldIdLst>
-    <p:sldId id="266" r:id="rId7"/>
-    <p:sldId id="260" r:id="rId8"/>
-    <p:sldId id="256" r:id="rId9"/>
-    <p:sldId id="267" r:id="rId10"/>
-    <p:sldId id="258" r:id="rId11"/>
-    <p:sldId id="259" r:id="rId12"/>
-    <p:sldId id="265" r:id="rId13"/>
-    <p:sldId id="257" r:id="rId14"/>
-    <p:sldId id="262" r:id="rId15"/>
-    <p:sldId id="261" r:id="rId16"/>
-    <p:sldId id="264" r:id="rId17"/>
-    <p:sldId id="263" r:id="rId18"/>
+    <p:sldId id="266" r:id="rId2"/>
+    <p:sldId id="260" r:id="rId3"/>
+    <p:sldId id="258" r:id="rId4"/>
+    <p:sldId id="259" r:id="rId5"/>
+    <p:sldId id="265" r:id="rId6"/>
+    <p:sldId id="257" r:id="rId7"/>
+    <p:sldId id="262" r:id="rId8"/>
+    <p:sldId id="261" r:id="rId9"/>
+    <p:sldId id="264" r:id="rId10"/>
+    <p:sldId id="263" r:id="rId11"/>
   </p:sldIdLst>
   <p:sldSz cx="12192000" cy="6858000"/>
   <p:notesSz cx="6858000" cy="9144000"/>
@@ -223,11 +221,19 @@
       </a:defRPr>
     </a:lvl9pPr>
   </p:defaultTextStyle>
+  <p:extLst>
+    <p:ext uri="{EFAFB233-063F-42B5-8137-9DF3F51BA10A}">
+      <p15:sldGuideLst xmlns:p15="http://schemas.microsoft.com/office/powerpoint/2012/main"/>
+    </p:ext>
+    <p:ext uri="{2D200454-40CA-4A62-9FC3-DE9A4176ACB9}">
+      <p15:notesGuideLst xmlns:p15="http://schemas.microsoft.com/office/powerpoint/2012/main"/>
+    </p:ext>
+  </p:extLst>
 </p:presentation>
 </file>
 
 <file path=ppt/notesMasters/notesMaster1.xml><?xml version="1.0" encoding="utf-8"?>
-<p:notesMaster xmlns:p="http://schemas.openxmlformats.org/presentationml/2006/main" xmlns:mc="http://schemas.openxmlformats.org/markup-compatibility/2006" xmlns:p14="http://schemas.microsoft.com/office/powerpoint/2010/main" xmlns:p15="http://schemas.microsoft.com/office/powerpoint/2012/main" xmlns:r="http://schemas.openxmlformats.org/officeDocument/2006/relationships" xmlns:a="http://schemas.openxmlformats.org/drawingml/2006/main">
+<p:notesMaster xmlns:a="http://schemas.openxmlformats.org/drawingml/2006/main" xmlns:r="http://schemas.openxmlformats.org/officeDocument/2006/relationships" xmlns:p="http://schemas.openxmlformats.org/presentationml/2006/main">
   <p:cSld>
     <p:bg>
       <p:bgPr>
@@ -258,7 +264,7 @@
             <a:spLocks noGrp="1" noChangeArrowheads="1"/>
             <a:extLst>
               <a:ext uri="smNativeData">
-                <pr:smNativeData xmlns:pr="smNativeData" xmlns="smNativeData" val="SMDATA_16_xzE7ZxMAAAAlAAAAZAAAAA8BAAAAkAAAAEgAAACQAAAASAAAAAAAAAAAAAAAAAAAAAEAAABQAAAAAAAAAAAA4D8AAAAAAADgPwAAAAAAAOA/AAAAAAAA4D8AAAAAAADgPwAAAAAAAOA/AAAAAAAA4D8AAAAAAADgPwAAAAAAAOA/AAAAAAAA4D8CAAAAjAAAAAAAAAAAAAAAu+DjDP///wgAAAAAAAAAAAAAAAAAAAAAAAAAAAAAAAAAAAAAZAAAAAEAAABAAAAAAAAAAAAAAAAAAAAAAAAAAAAAAAAAAAAAAAAAAAAAAAAAAAAAAAAAAAAAAAAAAAAAAAAAAAAAAAAAAAAAAAAAAAAAAAAAAAAAAAAAAAAAAAAAAAAAFAAAADwAAAAAAAAAAAAAAAAAAAkUAAAAAQAAABQAAAAUAAAAFAAAAAEAAAAAAAAAZAAAAGQAAAAAAAAAZAAAAGQAAAAVAAAAYAAAAAAAAAAAAAAADwAAACADAAAAAAAAAAAAAAEAAACgMgAAVgcAAKr4//8BAAAAf39/AAEAAABkAAAAAAAAABQAAABAHwAAAAAAACYAAAAAAAAAwOD//wAAAAAmAAAAZAAAABYAAABMAAAAAAAAAAAAAAAEAAAAAAAAAAEAAACAgIAKAAAAACgAAAAoAAAAZAAAAGQAAAAAAAAAzMzMAAAAAABQAAAAUAAAAGQAAABkAAAAAAAAABcAAAAUAAAAAAAAAAAAAAD/fwAA/38AAAAAAAAJAAAABAAAAAAAAAAeAAAAaAAAAAAAAAAAAAAAAAAAAAAAAAAAAAAAECcAABAnAAAAAAAAAAAAAAAAAAAAAAAAAAAAAAAAAAAAAAAAAAAAABQAAAAAAAAAwMD/AAAAAABkAAAAMgAAAAAAAABkAAAAAAAAAH9/fwAKAAAAIgAAABgAAAAAAAAAAAAAAAAAAAAAAAAAAAAAAAAAAAAkAAAAJAAAAAAAAAAHAAAAAAAAAAAAAAAAAAAAAAAAAAAAAAAAAAAAf39/ACUAAABYAAAAAAAAAAAAAAAAAAAAAAAAAAAAAAAAAAAAAAAAAAAAAAAAAAAAAAAAAAAAAAA/AAAAAAAAAKCGAQAAAAAAAAAAAAAAAAAMAAAAAQAAAAAAAAAAAAAAAAAAAB8AAABUAAAAAAAABQAAAAEAAAAAAAAAAAAAAAAAAAAAAAAAAAAAAAAAAAAAAAAAAAAAAAJ/f38AAAAAA8zMzADAwP8Af39/AAAAAAAAAAAAAAAAAAAAAAAAAAAAIQAAABgAAAAUAAAAAAAAAAAAAABIEgAA0AIAABAAAAAmAAAACAAAAP//////////MAAAABQAAAAAAAAAAAD//wAAAQAAAP//AAABAA=="/>
+                <pr:smNativeData xmlns:mc="http://schemas.openxmlformats.org/markup-compatibility/2006" xmlns:p14="http://schemas.microsoft.com/office/powerpoint/2010/main" xmlns:p15="http://schemas.microsoft.com/office/powerpoint/2012/main" xmlns:pr="smNativeData" xmlns="smNativeData" val="SMDATA_16_xzE7ZxMAAAAlAAAAZAAAAA8BAAAAkAAAAEgAAACQAAAASAAAAAAAAAAAAAAAAAAAAAEAAABQAAAAAAAAAAAA4D8AAAAAAADgPwAAAAAAAOA/AAAAAAAA4D8AAAAAAADgPwAAAAAAAOA/AAAAAAAA4D8AAAAAAADgPwAAAAAAAOA/AAAAAAAA4D8CAAAAjAAAAAAAAAAAAAAAu+DjDP///wgAAAAAAAAAAAAAAAAAAAAAAAAAAAAAAAAAAAAAZAAAAAEAAABAAAAAAAAAAAAAAAAAAAAAAAAAAAAAAAAAAAAAAAAAAAAAAAAAAAAAAAAAAAAAAAAAAAAAAAAAAAAAAAAAAAAAAAAAAAAAAAAAAAAAAAAAAAAAAAAAAAAAFAAAADwAAAAAAAAAAAAAAAAAAAkUAAAAAQAAABQAAAAUAAAAFAAAAAEAAAAAAAAAZAAAAGQAAAAAAAAAZAAAAGQAAAAVAAAAYAAAAAAAAAAAAAAADwAAACADAAAAAAAAAAAAAAEAAACgMgAAVgcAAKr4//8BAAAAf39/AAEAAABkAAAAAAAAABQAAABAHwAAAAAAACYAAAAAAAAAwOD//wAAAAAmAAAAZAAAABYAAABMAAAAAAAAAAAAAAAEAAAAAAAAAAEAAACAgIAKAAAAACgAAAAoAAAAZAAAAGQAAAAAAAAAzMzMAAAAAABQAAAAUAAAAGQAAABkAAAAAAAAABcAAAAUAAAAAAAAAAAAAAD/fwAA/38AAAAAAAAJAAAABAAAAAAAAAAeAAAAaAAAAAAAAAAAAAAAAAAAAAAAAAAAAAAAECcAABAnAAAAAAAAAAAAAAAAAAAAAAAAAAAAAAAAAAAAAAAAAAAAABQAAAAAAAAAwMD/AAAAAABkAAAAMgAAAAAAAABkAAAAAAAAAH9/fwAKAAAAIgAAABgAAAAAAAAAAAAAAAAAAAAAAAAAAAAAAAAAAAAkAAAAJAAAAAAAAAAHAAAAAAAAAAAAAAAAAAAAAAAAAAAAAAAAAAAAf39/ACUAAABYAAAAAAAAAAAAAAAAAAAAAAAAAAAAAAAAAAAAAAAAAAAAAAAAAAAAAAAAAAAAAAA/AAAAAAAAAKCGAQAAAAAAAAAAAAAAAAAMAAAAAQAAAAAAAAAAAAAAAAAAAB8AAABUAAAAAAAABQAAAAEAAAAAAAAAAAAAAAAAAAAAAAAAAAAAAAAAAAAAAAAAAAAAAAJ/f38AAAAAA8zMzADAwP8Af39/AAAAAAAAAAAAAAAAAAAAAAAAAAAAIQAAABgAAAAUAAAAAAAAAAAAAABIEgAA0AIAABAAAAAmAAAACAAAAP//////////MAAAABQAAAAAAAAAAAD//wAAAQAAAP//AAABAA=="/>
               </a:ext>
             </a:extLst>
           </p:cNvSpPr>
@@ -319,6 +325,7 @@
             <a:pPr>
               <a:defRPr lang="ru-ru"/>
             </a:pPr>
+            <a:endParaRPr/>
           </a:p>
         </p:txBody>
       </p:sp>
@@ -329,7 +336,7 @@
             <a:spLocks noGrp="1" noChangeArrowheads="1"/>
             <a:extLst>
               <a:ext uri="smNativeData">
-                <pr:smNativeData xmlns:pr="smNativeData" xmlns="smNativeData" val="SMDATA_16_xzE7ZxMAAAAlAAAAZAAAAA8BAAAAkAAAAEgAAACQAAAASAAAAAAAAAAAAAAAAAAAAAEAAABQAAAAAAAAAAAA4D8AAAAAAADgPwAAAAAAAOA/AAAAAAAA4D8AAAAAAADgPwAAAAAAAOA/AAAAAAAA4D8AAAAAAADgPwAAAAAAAOA/AAAAAAAA4D8CAAAAjAAAAAAAAAAAAAAAu+DjDP///wgAAAAAAAAAAAAAAAAAAAAAAAAAAAAAAAAAAAAAZAAAAAEAAABAAAAAAAAAAAAAAAAAAAAAAAAAAAAAAAAAAAAAAAAAAAAAAAAAAAAAAAAAAAAAAAAAAAAAAAAAAAAAAAAAAAAAAAAAAAAAAAAAAAAAAAAAAAAAAAAAAAAAFAAAADwAAAAAAAAAAAAAAAAAAAkUAAAAAQAAABQAAAAUAAAAFAAAAAEAAAAAAAAAZAAAAGQAAAAAAAAAZAAAAGQAAAAVAAAAYAAAAAAAAAAAAAAADwAAACADAAAAAAAAAAAAAAEAAACgMgAAVgcAAKr4//8BAAAAf39/AAEAAABkAAAAAAAAABQAAABAHwAAAAAAACYAAAAAAAAAwOD//wAAAAAmAAAAZAAAABYAAABMAAAAAAAAAAAAAAAEAAAAAAAAAAEAAACAgIAKAAAAACgAAAAoAAAAZAAAAGQAAAAAAAAAzMzMAAAAAABQAAAAUAAAAGQAAABkAAAAAAAAABcAAAAUAAAAAAAAAAAAAAD/fwAA/38AAAAAAAAJAAAABAAAAAAAAAAeAAAAaAAAAAAAAAAAAAAAAAAAAAAAAAAAAAAAECcAABAnAAAAAAAAAAAAAAAAAAAAAAAAAAAAAAAAAAAAAAAAAAAAABQAAAAAAAAAwMD/AAAAAABkAAAAMgAAAAAAAABkAAAAAAAAAH9/fwAKAAAAIgAAABgAAAAAAAAAAAAAAAAAAAAAAAAAAAAAAAAAAAAkAAAAJAAAAAAAAAAHAAAAAAAAAAAAAAAAAAAAAAAAAAAAAAAAAAAAf39/ACUAAABYAAAAAAAAAAAAAAAAAAAAAAAAAAAAAAAAAAAAAAAAAAAAAAAAAAAAAAAAAAAAAAA/AAAAAAAAAKCGAQAAAAAAAAAAAAAAAAAMAAAAAQAAAAAAAAAAAAAAAAAAAB8AAABUAAAAAAAABQAAAAEAAAAAAAAAAAAAAAAAAAAAAAAAAAAAAAAAAAAAAAAAAAAAAAJ/f38AAAAAA8zMzADAwP8Af39/AAAAAAAAAAAAAAAAAAAAAAAAAAAAIQAAABgAAAAUAAAA6BcAAAAAAAAwKgAA0AIAABAAAAAmAAAACAAAAP//////////MAAAABQAAAAAAAAAAAD//wAAAQAAAP//AAABAA=="/>
+                <pr:smNativeData xmlns:mc="http://schemas.openxmlformats.org/markup-compatibility/2006" xmlns:p14="http://schemas.microsoft.com/office/powerpoint/2010/main" xmlns:p15="http://schemas.microsoft.com/office/powerpoint/2012/main" xmlns:pr="smNativeData" xmlns="smNativeData" val="SMDATA_16_xzE7ZxMAAAAlAAAAZAAAAA8BAAAAkAAAAEgAAACQAAAASAAAAAAAAAAAAAAAAAAAAAEAAABQAAAAAAAAAAAA4D8AAAAAAADgPwAAAAAAAOA/AAAAAAAA4D8AAAAAAADgPwAAAAAAAOA/AAAAAAAA4D8AAAAAAADgPwAAAAAAAOA/AAAAAAAA4D8CAAAAjAAAAAAAAAAAAAAAu+DjDP///wgAAAAAAAAAAAAAAAAAAAAAAAAAAAAAAAAAAAAAZAAAAAEAAABAAAAAAAAAAAAAAAAAAAAAAAAAAAAAAAAAAAAAAAAAAAAAAAAAAAAAAAAAAAAAAAAAAAAAAAAAAAAAAAAAAAAAAAAAAAAAAAAAAAAAAAAAAAAAAAAAAAAAFAAAADwAAAAAAAAAAAAAAAAAAAkUAAAAAQAAABQAAAAUAAAAFAAAAAEAAAAAAAAAZAAAAGQAAAAAAAAAZAAAAGQAAAAVAAAAYAAAAAAAAAAAAAAADwAAACADAAAAAAAAAAAAAAEAAACgMgAAVgcAAKr4//8BAAAAf39/AAEAAABkAAAAAAAAABQAAABAHwAAAAAAACYAAAAAAAAAwOD//wAAAAAmAAAAZAAAABYAAABMAAAAAAAAAAAAAAAEAAAAAAAAAAEAAACAgIAKAAAAACgAAAAoAAAAZAAAAGQAAAAAAAAAzMzMAAAAAABQAAAAUAAAAGQAAABkAAAAAAAAABcAAAAUAAAAAAAAAAAAAAD/fwAA/38AAAAAAAAJAAAABAAAAAAAAAAeAAAAaAAAAAAAAAAAAAAAAAAAAAAAAAAAAAAAECcAABAnAAAAAAAAAAAAAAAAAAAAAAAAAAAAAAAAAAAAAAAAAAAAABQAAAAAAAAAwMD/AAAAAABkAAAAMgAAAAAAAABkAAAAAAAAAH9/fwAKAAAAIgAAABgAAAAAAAAAAAAAAAAAAAAAAAAAAAAAAAAAAAAkAAAAJAAAAAAAAAAHAAAAAAAAAAAAAAAAAAAAAAAAAAAAAAAAAAAAf39/ACUAAABYAAAAAAAAAAAAAAAAAAAAAAAAAAAAAAAAAAAAAAAAAAAAAAAAAAAAAAAAAAAAAAA/AAAAAAAAAKCGAQAAAAAAAAAAAAAAAAAMAAAAAQAAAAAAAAAAAAAAAAAAAB8AAABUAAAAAAAABQAAAAEAAAAAAAAAAAAAAAAAAAAAAAAAAAAAAAAAAAAAAAAAAAAAAAJ/f38AAAAAA8zMzADAwP8Af39/AAAAAAAAAAAAAAAAAAAAAAAAAAAAIQAAABgAAAAUAAAA6BcAAAAAAAAwKgAA0AIAABAAAAAmAAAACAAAAP//////////MAAAABQAAAAAAAAAAAD//wAAAQAAAP//AAABAA=="/>
               </a:ext>
             </a:extLst>
           </p:cNvSpPr>
@@ -391,8 +398,9 @@
               <a:defRPr lang="ru-ru"/>
             </a:pPr>
             <a:fld id="{3BC5E683-CDD6-9010-987D-3B45A8336E6E}" type="datetime1">
-              <a:t/>
+              <a:t>20.11.2024</a:t>
             </a:fld>
+            <a:endParaRPr/>
           </a:p>
         </p:txBody>
       </p:sp>
@@ -400,10 +408,10 @@
         <p:nvSpPr>
           <p:cNvPr id="4" name="РисунокСлайда1"/>
           <p:cNvSpPr>
-            <a:spLocks noGrp="1" noChangeArrowheads="1"/>
-            <a:extLst>
-              <a:ext uri="smNativeData">
-                <pr:smNativeData xmlns:pr="smNativeData" xmlns="smNativeData" val="SMDATA_16_xzE7ZxMAAAAlAAAAZAAAAA8BAAAAkAAAAEgAAACQAAAASAAAAAAAAAABAAAAAAAAAAEAAABQAAAAAAAAAAAA4D8AAAAAAADgPwAAAAAAAOA/AAAAAAAA4D8AAAAAAADgPwAAAAAAAOA/AAAAAAAA4D8AAAAAAADgPwAAAAAAAOA/AAAAAAAA4D8CAAAAjAAAAAEAAAAAAAAAu+DjDP///wgAAAAAAAAAAAAAAAAAAAAAAAAAAAAAAAAAAAAAZAAAAAEAAABAAAAAAAAAAAAAAAAAAAAAAAAAAAAAAAAAAAAAAAAAAAAAAAAAAAAAAAAAAAAAAAAAAAAAAAAAAAAAAAAAAAAAAAAAAAAAAAAAAAAAAAAAAAAAAAAAAAAAFAAAADwAAAABAAAAAAAAAAAAAAkUAAAAAQAAABQAAAAUAAAAFAAAAAEAAAAAAAAAZAAAAGQAAAAAAAAAZAAAAGQAAAAVAAAAYAAAAAAAAAAAAAAADwAAACADAAAAAAAAAAAAAAEAAACgMgAAVgcAAKr4//8BAAAAf39/AAEAAABkAAAAAAAAABQAAABAHwAAAAAAACYAAAAAAAAAwOD//wAAAAAmAAAAZAAAABYAAABMAAAAAAAAAAAAAAAEAAAAAAAAAAEAAACAgIAKAAAAACgAAAAoAAAAZAAAAGQAAAAAAAAAzMzMAAAAAABQAAAAUAAAAGQAAABkAAAAAAAAABcAAAAUAAAAAAAAAAAAAAD/fwAA/38AAAAAAAAJAAAABAAAAAAAAAAeAAAAaAAAAAAAAAAAAAAAAAAAAAAAAAAAAAAAECcAABAnAAAAAAAAAAAAAAAAAAAAAAAAAAAAAAAAAAAAAAAAAAAAABQAAAAAAAAAwMD/AAAAAABkAAAAMgAAAAAAAABkAAAAAAAAAH9/fwAKAAAAIgAAABgAAAAAAAAAAAAAAAAAAAAAAAAAAAAAAAAAAAAkAAAAJAAAAAAAAAAHAAAAAAAAAAAAAAAAAAAAAAAAAAAAAAAAAAAAf39/ACUAAABYAAAAAAAAAAAAAAAAAAAAAAAAAAAAAAAAAAAAAAAAAAAAAAAAAAAAAAAAAAAAAAA/AAAAAAAAAKCGAQAAAAAAAAAAAAAAAAAMAAAAAQAAAAAAAAAAAAAAAAAAAB8AAABUAAAAAAAABQAAAAEAAAAAAAAAAAAAAAAAAAAAAAAAAAAAAAAAAAAAAAAAAAAAAAJ/f38AAAAAA8zMzADAwP8Af39/AAAAAAAAAAAAAAAAAAAAAAAAAAAAIQAAABgAAAAUAAAACAcAADgEAAAoIwAAUBkAABAAAAAmAAAACAAAAP//////////MAAAABQAAAAAAAAAAAD//wAAAQAAAP//AAABAA=="/>
+            <a:spLocks noGrp="1" noRot="1" noChangeAspect="1" noChangeArrowheads="1"/>
+            <a:extLst>
+              <a:ext uri="smNativeData">
+                <pr:smNativeData xmlns:mc="http://schemas.openxmlformats.org/markup-compatibility/2006" xmlns:p14="http://schemas.microsoft.com/office/powerpoint/2010/main" xmlns:p15="http://schemas.microsoft.com/office/powerpoint/2012/main" xmlns:pr="smNativeData" xmlns="smNativeData" val="SMDATA_16_xzE7ZxMAAAAlAAAAZAAAAA8BAAAAkAAAAEgAAACQAAAASAAAAAAAAAABAAAAAAAAAAEAAABQAAAAAAAAAAAA4D8AAAAAAADgPwAAAAAAAOA/AAAAAAAA4D8AAAAAAADgPwAAAAAAAOA/AAAAAAAA4D8AAAAAAADgPwAAAAAAAOA/AAAAAAAA4D8CAAAAjAAAAAEAAAAAAAAAu+DjDP///wgAAAAAAAAAAAAAAAAAAAAAAAAAAAAAAAAAAAAAZAAAAAEAAABAAAAAAAAAAAAAAAAAAAAAAAAAAAAAAAAAAAAAAAAAAAAAAAAAAAAAAAAAAAAAAAAAAAAAAAAAAAAAAAAAAAAAAAAAAAAAAAAAAAAAAAAAAAAAAAAAAAAAFAAAADwAAAABAAAAAAAAAAAAAAkUAAAAAQAAABQAAAAUAAAAFAAAAAEAAAAAAAAAZAAAAGQAAAAAAAAAZAAAAGQAAAAVAAAAYAAAAAAAAAAAAAAADwAAACADAAAAAAAAAAAAAAEAAACgMgAAVgcAAKr4//8BAAAAf39/AAEAAABkAAAAAAAAABQAAABAHwAAAAAAACYAAAAAAAAAwOD//wAAAAAmAAAAZAAAABYAAABMAAAAAAAAAAAAAAAEAAAAAAAAAAEAAACAgIAKAAAAACgAAAAoAAAAZAAAAGQAAAAAAAAAzMzMAAAAAABQAAAAUAAAAGQAAABkAAAAAAAAABcAAAAUAAAAAAAAAAAAAAD/fwAA/38AAAAAAAAJAAAABAAAAAAAAAAeAAAAaAAAAAAAAAAAAAAAAAAAAAAAAAAAAAAAECcAABAnAAAAAAAAAAAAAAAAAAAAAAAAAAAAAAAAAAAAAAAAAAAAABQAAAAAAAAAwMD/AAAAAABkAAAAMgAAAAAAAABkAAAAAAAAAH9/fwAKAAAAIgAAABgAAAAAAAAAAAAAAAAAAAAAAAAAAAAAAAAAAAAkAAAAJAAAAAAAAAAHAAAAAAAAAAAAAAAAAAAAAAAAAAAAAAAAAAAAf39/ACUAAABYAAAAAAAAAAAAAAAAAAAAAAAAAAAAAAAAAAAAAAAAAAAAAAAAAAAAAAAAAAAAAAA/AAAAAAAAAKCGAQAAAAAAAAAAAAAAAAAMAAAAAQAAAAAAAAAAAAAAAAAAAB8AAABUAAAAAAAABQAAAAEAAAAAAAAAAAAAAAAAAAAAAAAAAAAAAAAAAAAAAAAAAAAAAAJ/f38AAAAAA8zMzADAwP8Af39/AAAAAAAAAAAAAAAAAAAAAAAAAAAAIQAAABgAAAAUAAAACAcAADgEAAAoIwAAUBkAABAAAAAmAAAACAAAAP//////////MAAAABQAAAAAAAAAAAD//wAAAQAAAP//AAABAA=="/>
               </a:ext>
             </a:extLst>
           </p:cNvSpPr>
@@ -440,7 +448,7 @@
             <a:spLocks noGrp="1" noChangeArrowheads="1"/>
             <a:extLst>
               <a:ext uri="smNativeData">
-                <pr:smNativeData xmlns:pr="smNativeData" xmlns="smNativeData" val="SMDATA_16_xzE7ZxMAAAAlAAAAZAAAAA8BAAAAkAAAAEgAAACQAAAASAAAAAAAAAAAAAAAAAAAAAEAAABQAAAAAAAAAAAA4D8AAAAAAADgPwAAAAAAAOA/AAAAAAAA4D8AAAAAAADgPwAAAAAAAOA/AAAAAAAA4D8AAAAAAADgPwAAAAAAAOA/AAAAAAAA4D8CAAAAjAAAAAAAAAAAAAAAu+DjDP///wgAAAAAAAAAAAAAAAAAAAAAAAAAAAAAAAAAAAAAZAAAAAEAAABAAAAAAAAAAAAAAAAAAAAAAAAAAAAAAAAAAAAAAAAAAAAAAAAAAAAAAAAAAAAAAAAAAAAAAAAAAAAAAAAAAAAAAAAAAAAAAAAAAAAAAAAAAAAAAAAAAAAAFAAAADwAAAAAAAAAAAAAAAAAAAkUAAAAAQAAABQAAAAUAAAAFAAAAAEAAAAAAAAAZAAAAGQAAAAAAAAAZAAAAGQAAAAVAAAAYAAAAAAAAAAAAAAADwAAACADAAAAAAAAAAAAAAEAAACgMgAAVgcAAKr4//8BAAAAf39/AAEAAABkAAAAAAAAABQAAABAHwAAAAAAACYAAAAAAAAAwOD//wAAAAAmAAAAZAAAABYAAABMAAAAAAAAAAAAAAAEAAAAAAAAAAEAAACAgIAKAAAAACgAAAAoAAAAZAAAAGQAAAAAAAAAzMzMAAAAAABQAAAAUAAAAGQAAABkAAAAAAAAABcAAAAUAAAAAAAAAAAAAAD/fwAA/38AAAAAAAAJAAAABAAAAAAAAAAeAAAAaAAAAAAAAAAAAAAAAAAAAAAAAAAAAAAAECcAABAnAAAAAAAAAAAAAAAAAAAAAAAAAAAAAAAAAAAAAAAAAAAAABQAAAAAAAAAwMD/AAAAAABkAAAAMgAAAAAAAABkAAAAAAAAAH9/fwAKAAAAIgAAABgAAAAAAAAAAAAAAAAAAAAAAAAAAAAAAAAAAAAkAAAAJAAAAAAAAAAHAAAAAAAAAAAAAAAAAAAAAAAAAAAAAAAAAAAAf39/ACUAAABYAAAAAAAAAAAAAAAAAAAAAAAAAAAAAAAAAAAAAAAAAAAAAAAAAAAAAAAAAAAAAAA/AAAAAAAAAKCGAQAAAAAAAAAAAAAAAAAMAAAAAQAAAAAAAAAAAAAAAAAAAB8AAABUAAAAAAAABQAAAAEAAAAAAAAAAAAAAAAAAAAAAAAAAAAAAAAAAAAAAAAAAAAAAAJ/f38AAAAAA8zMzADAwP8Af39/AAAAAAAAAAAAAAAAAAAAAAAAAAAAIQAAABgAAAAUAAAAOAQAALgaAAD4JQAACDQAABAAAAAmAAAACAAAAP//////////MAAAABQAAAAAAAAAAAD//wAAAQAAAP//AAABAA=="/>
+                <pr:smNativeData xmlns:mc="http://schemas.openxmlformats.org/markup-compatibility/2006" xmlns:p14="http://schemas.microsoft.com/office/powerpoint/2010/main" xmlns:p15="http://schemas.microsoft.com/office/powerpoint/2012/main" xmlns:pr="smNativeData" xmlns="smNativeData" val="SMDATA_16_xzE7ZxMAAAAlAAAAZAAAAA8BAAAAkAAAAEgAAACQAAAASAAAAAAAAAAAAAAAAAAAAAEAAABQAAAAAAAAAAAA4D8AAAAAAADgPwAAAAAAAOA/AAAAAAAA4D8AAAAAAADgPwAAAAAAAOA/AAAAAAAA4D8AAAAAAADgPwAAAAAAAOA/AAAAAAAA4D8CAAAAjAAAAAAAAAAAAAAAu+DjDP///wgAAAAAAAAAAAAAAAAAAAAAAAAAAAAAAAAAAAAAZAAAAAEAAABAAAAAAAAAAAAAAAAAAAAAAAAAAAAAAAAAAAAAAAAAAAAAAAAAAAAAAAAAAAAAAAAAAAAAAAAAAAAAAAAAAAAAAAAAAAAAAAAAAAAAAAAAAAAAAAAAAAAAFAAAADwAAAAAAAAAAAAAAAAAAAkUAAAAAQAAABQAAAAUAAAAFAAAAAEAAAAAAAAAZAAAAGQAAAAAAAAAZAAAAGQAAAAVAAAAYAAAAAAAAAAAAAAADwAAACADAAAAAAAAAAAAAAEAAACgMgAAVgcAAKr4//8BAAAAf39/AAEAAABkAAAAAAAAABQAAABAHwAAAAAAACYAAAAAAAAAwOD//wAAAAAmAAAAZAAAABYAAABMAAAAAAAAAAAAAAAEAAAAAAAAAAEAAACAgIAKAAAAACgAAAAoAAAAZAAAAGQAAAAAAAAAzMzMAAAAAABQAAAAUAAAAGQAAABkAAAAAAAAABcAAAAUAAAAAAAAAAAAAAD/fwAA/38AAAAAAAAJAAAABAAAAAAAAAAeAAAAaAAAAAAAAAAAAAAAAAAAAAAAAAAAAAAAECcAABAnAAAAAAAAAAAAAAAAAAAAAAAAAAAAAAAAAAAAAAAAAAAAABQAAAAAAAAAwMD/AAAAAABkAAAAMgAAAAAAAABkAAAAAAAAAH9/fwAKAAAAIgAAABgAAAAAAAAAAAAAAAAAAAAAAAAAAAAAAAAAAAAkAAAAJAAAAAAAAAAHAAAAAAAAAAAAAAAAAAAAAAAAAAAAAAAAAAAAf39/ACUAAABYAAAAAAAAAAAAAAAAAAAAAAAAAAAAAAAAAAAAAAAAAAAAAAAAAAAAAAAAAAAAAAA/AAAAAAAAAKCGAQAAAAAAAAAAAAAAAAAMAAAAAQAAAAAAAAAAAAAAAAAAAB8AAABUAAAAAAAABQAAAAEAAAAAAAAAAAAAAAAAAAAAAAAAAAAAAAAAAAAAAAAAAAAAAAJ/f38AAAAAA8zMzADAwP8Af39/AAAAAAAAAAAAAAAAAAAAAAAAAAAAIQAAABgAAAAUAAAAOAQAALgaAAD4JQAACDQAABAAAAAmAAAACAAAAP//////////MAAAABQAAAAAAAAAAAD//wAAAQAAAP//AAABAA=="/>
               </a:ext>
             </a:extLst>
           </p:cNvSpPr>
@@ -518,7 +526,7 @@
             <a:spLocks noGrp="1" noChangeArrowheads="1"/>
             <a:extLst>
               <a:ext uri="smNativeData">
-                <pr:smNativeData xmlns:pr="smNativeData" xmlns="smNativeData" val="SMDATA_16_xzE7ZxMAAAAlAAAAZAAAAA8BAAAAkAAAAEgAAACQAAAASAAAAAAAAAACAAAAAAAAAAEAAABQAAAAAAAAAAAA4D8AAAAAAADgPwAAAAAAAOA/AAAAAAAA4D8AAAAAAADgPwAAAAAAAOA/AAAAAAAA4D8AAAAAAADgPwAAAAAAAOA/AAAAAAAA4D8CAAAAjAAAAAAAAAAAAAAAu+DjDP///wgAAAAAAAAAAAAAAAAAAAAAAAAAAAAAAAAAAAAAZAAAAAEAAABAAAAAAAAAAAAAAAAAAAAAAAAAAAAAAAAAAAAAAAAAAAAAAAAAAAAAAAAAAAAAAAAAAAAAAAAAAAAAAAAAAAAAAAAAAAAAAAAAAAAAAAAAAAAAAAAAAAAAFAAAADwAAAAAAAAAAAAAAAAAAAkUAAAAAQAAABQAAAAUAAAAFAAAAAEAAAAAAAAAZAAAAGQAAAAAAAAAZAAAAGQAAAAVAAAAYAAAAAAAAAAAAAAADwAAACADAAAAAAAAAAAAAAEAAACgMgAAVgcAAKr4//8BAAAAf39/AAEAAABkAAAAAAAAABQAAABAHwAAAAAAACYAAAAAAAAAwOD//wAAAAAmAAAAZAAAABYAAABMAAAAAAAAAAAAAAAEAAAAAAAAAAEAAACAgIAKAAAAACgAAAAoAAAAZAAAAGQAAAAAAAAAzMzMAAAAAABQAAAAUAAAAGQAAABkAAAAAAAAABcAAAAUAAAAAAAAAAAAAAD/fwAA/38AAAAAAAAJAAAABAAAAAAAAAAeAAAAaAAAAAAAAAAAAAAAAAAAAAAAAAAAAAAAECcAABAnAAAAAAAAAAAAAAAAAAAAAAAAAAAAAAAAAAAAAAAAAAAAABQAAAAAAAAAwMD/AAAAAABkAAAAMgAAAAAAAABkAAAAAAAAAH9/fwAKAAAAIgAAABgAAAAAAAAAAAAAAAAAAAAAAAAAAAAAAAAAAAAkAAAAJAAAAAAAAAAHAAAAAAAAAAAAAAAAAAAAAAAAAAAAAAAAAAAAf39/ACUAAABYAAAAAAAAAAAAAAAAAAAAAAAAAAAAAAAAAAAAAAAAAAAAAAAAAAAAAAAAAAAAAAA/AAAAAAAAAKCGAQAAAAAAAAAAAAAAAAAMAAAAAQAAAAAAAAAAAAAAAAAAAB8AAABUAAAAAAAABQAAAAEAAAAAAAAAAAAAAAAAAAAAAAAAAAAAAAAAAAAAAAAAAAAAAAJ/f38AAAAAA8zMzADAwP8Af39/AAAAAAAAAAAAAAAAAAAAAAAAAAAAIQAAABgAAAAUAAAAAAAAAHA1AABIEgAAQDgAABAAAAAmAAAACAAAAP//////////MAAAABQAAAAAAAAAAAD//wAAAQAAAP//AAABAA=="/>
+                <pr:smNativeData xmlns:mc="http://schemas.openxmlformats.org/markup-compatibility/2006" xmlns:p14="http://schemas.microsoft.com/office/powerpoint/2010/main" xmlns:p15="http://schemas.microsoft.com/office/powerpoint/2012/main" xmlns:pr="smNativeData" xmlns="smNativeData" val="SMDATA_16_xzE7ZxMAAAAlAAAAZAAAAA8BAAAAkAAAAEgAAACQAAAASAAAAAAAAAACAAAAAAAAAAEAAABQAAAAAAAAAAAA4D8AAAAAAADgPwAAAAAAAOA/AAAAAAAA4D8AAAAAAADgPwAAAAAAAOA/AAAAAAAA4D8AAAAAAADgPwAAAAAAAOA/AAAAAAAA4D8CAAAAjAAAAAAAAAAAAAAAu+DjDP///wgAAAAAAAAAAAAAAAAAAAAAAAAAAAAAAAAAAAAAZAAAAAEAAABAAAAAAAAAAAAAAAAAAAAAAAAAAAAAAAAAAAAAAAAAAAAAAAAAAAAAAAAAAAAAAAAAAAAAAAAAAAAAAAAAAAAAAAAAAAAAAAAAAAAAAAAAAAAAAAAAAAAAFAAAADwAAAAAAAAAAAAAAAAAAAkUAAAAAQAAABQAAAAUAAAAFAAAAAEAAAAAAAAAZAAAAGQAAAAAAAAAZAAAAGQAAAAVAAAAYAAAAAAAAAAAAAAADwAAACADAAAAAAAAAAAAAAEAAACgMgAAVgcAAKr4//8BAAAAf39/AAEAAABkAAAAAAAAABQAAABAHwAAAAAAACYAAAAAAAAAwOD//wAAAAAmAAAAZAAAABYAAABMAAAAAAAAAAAAAAAEAAAAAAAAAAEAAACAgIAKAAAAACgAAAAoAAAAZAAAAGQAAAAAAAAAzMzMAAAAAABQAAAAUAAAAGQAAABkAAAAAAAAABcAAAAUAAAAAAAAAAAAAAD/fwAA/38AAAAAAAAJAAAABAAAAAAAAAAeAAAAaAAAAAAAAAAAAAAAAAAAAAAAAAAAAAAAECcAABAnAAAAAAAAAAAAAAAAAAAAAAAAAAAAAAAAAAAAAAAAAAAAABQAAAAAAAAAwMD/AAAAAABkAAAAMgAAAAAAAABkAAAAAAAAAH9/fwAKAAAAIgAAABgAAAAAAAAAAAAAAAAAAAAAAAAAAAAAAAAAAAAkAAAAJAAAAAAAAAAHAAAAAAAAAAAAAAAAAAAAAAAAAAAAAAAAAAAAf39/ACUAAABYAAAAAAAAAAAAAAAAAAAAAAAAAAAAAAAAAAAAAAAAAAAAAAAAAAAAAAAAAAAAAAA/AAAAAAAAAKCGAQAAAAAAAAAAAAAAAAAMAAAAAQAAAAAAAAAAAAAAAAAAAB8AAABUAAAAAAAABQAAAAEAAAAAAAAAAAAAAAAAAAAAAAAAAAAAAAAAAAAAAAAAAAAAAAJ/f38AAAAAA8zMzADAwP8Af39/AAAAAAAAAAAAAAAAAAAAAAAAAAAAIQAAABgAAAAUAAAAAAAAAHA1AABIEgAAQDgAABAAAAAmAAAACAAAAP//////////MAAAABQAAAAAAAAAAAD//wAAAQAAAP//AAABAA=="/>
               </a:ext>
             </a:extLst>
           </p:cNvSpPr>
@@ -579,6 +587,7 @@
             <a:pPr>
               <a:defRPr lang="ru-ru"/>
             </a:pPr>
+            <a:endParaRPr/>
           </a:p>
         </p:txBody>
       </p:sp>
@@ -589,7 +598,7 @@
             <a:spLocks noGrp="1" noChangeArrowheads="1"/>
             <a:extLst>
               <a:ext uri="smNativeData">
-                <pr:smNativeData xmlns:pr="smNativeData" xmlns="smNativeData" val="SMDATA_16_xzE7ZxMAAAAlAAAAZAAAAA8BAAAAkAAAAEgAAACQAAAASAAAAAAAAAACAAAAAAAAAAEAAABQAAAAAAAAAAAA4D8AAAAAAADgPwAAAAAAAOA/AAAAAAAA4D8AAAAAAADgPwAAAAAAAOA/AAAAAAAA4D8AAAAAAADgPwAAAAAAAOA/AAAAAAAA4D8CAAAAjAAAAAAAAAAAAAAAu+DjDP///wgAAAAAAAAAAAAAAAAAAAAAAAAAAAAAAAAAAAAAZAAAAAEAAABAAAAAAAAAAAAAAAAAAAAAAAAAAAAAAAAAAAAAAAAAAAAAAAAAAAAAAAAAAAAAAAAAAAAAAAAAAAAAAAAAAAAAAAAAAAAAAAAAAAAAAAAAAAAAAAAAAAAAFAAAADwAAAAAAAAAAAAAAAAAAAkUAAAAAQAAABQAAAAUAAAAFAAAAAEAAAAAAAAAZAAAAGQAAAAAAAAAZAAAAGQAAAAVAAAAYAAAAAAAAAAAAAAADwAAACADAAAAAAAAAAAAAAEAAACgMgAAVgcAAKr4//8BAAAAf39/AAEAAABkAAAAAAAAABQAAABAHwAAAAAAACYAAAAAAAAAwOD//wAAAAAmAAAAZAAAABYAAABMAAAAAAAAAAAAAAAEAAAAAAAAAAEAAACAgIAKAAAAACgAAAAoAAAAZAAAAGQAAAAAAAAAzMzMAAAAAABQAAAAUAAAAGQAAABkAAAAAAAAABcAAAAUAAAAAAAAAAAAAAD/fwAA/38AAAAAAAAJAAAABAAAAAAAAAAeAAAAaAAAAAAAAAAAAAAAAAAAAAAAAAAAAAAAECcAABAnAAAAAAAAAAAAAAAAAAAAAAAAAAAAAAAAAAAAAAAAAAAAABQAAAAAAAAAwMD/AAAAAABkAAAAMgAAAAAAAABkAAAAAAAAAH9/fwAKAAAAIgAAABgAAAAAAAAAAAAAAAAAAAAAAAAAAAAAAAAAAAAkAAAAJAAAAAAAAAAHAAAAAAAAAAAAAAAAAAAAAAAAAAAAAAAAAAAAf39/ACUAAABYAAAAAAAAAAAAAAAAAAAAAAAAAAAAAAAAAAAAAAAAAAAAAAAAAAAAAAAAAAAAAAA/AAAAAAAAAKCGAQAAAAAAAAAAAAAAAAAMAAAAAQAAAAAAAAAAAAAAAAAAAB8AAABUAAAAAAAABQAAAAEAAAAAAAAAAAAAAAAAAAAAAAAAAAAAAAAAAAAAAAAAAAAAAAJ/f38AAAAAA8zMzADAwP8Af39/AAAAAAAAAAAAAAAAAAAAAAAAAAAAIQAAABgAAAAUAAAA6BcAAHA1AAAwKgAAQDgAABAAAAAmAAAACAAAAP//////////MAAAABQAAAAAAAAAAAD//wAAAQAAAP//AAABAA=="/>
+                <pr:smNativeData xmlns:mc="http://schemas.openxmlformats.org/markup-compatibility/2006" xmlns:p14="http://schemas.microsoft.com/office/powerpoint/2010/main" xmlns:p15="http://schemas.microsoft.com/office/powerpoint/2012/main" xmlns:pr="smNativeData" xmlns="smNativeData" val="SMDATA_16_xzE7ZxMAAAAlAAAAZAAAAA8BAAAAkAAAAEgAAACQAAAASAAAAAAAAAACAAAAAAAAAAEAAABQAAAAAAAAAAAA4D8AAAAAAADgPwAAAAAAAOA/AAAAAAAA4D8AAAAAAADgPwAAAAAAAOA/AAAAAAAA4D8AAAAAAADgPwAAAAAAAOA/AAAAAAAA4D8CAAAAjAAAAAAAAAAAAAAAu+DjDP///wgAAAAAAAAAAAAAAAAAAAAAAAAAAAAAAAAAAAAAZAAAAAEAAABAAAAAAAAAAAAAAAAAAAAAAAAAAAAAAAAAAAAAAAAAAAAAAAAAAAAAAAAAAAAAAAAAAAAAAAAAAAAAAAAAAAAAAAAAAAAAAAAAAAAAAAAAAAAAAAAAAAAAFAAAADwAAAAAAAAAAAAAAAAAAAkUAAAAAQAAABQAAAAUAAAAFAAAAAEAAAAAAAAAZAAAAGQAAAAAAAAAZAAAAGQAAAAVAAAAYAAAAAAAAAAAAAAADwAAACADAAAAAAAAAAAAAAEAAACgMgAAVgcAAKr4//8BAAAAf39/AAEAAABkAAAAAAAAABQAAABAHwAAAAAAACYAAAAAAAAAwOD//wAAAAAmAAAAZAAAABYAAABMAAAAAAAAAAAAAAAEAAAAAAAAAAEAAACAgIAKAAAAACgAAAAoAAAAZAAAAGQAAAAAAAAAzMzMAAAAAABQAAAAUAAAAGQAAABkAAAAAAAAABcAAAAUAAAAAAAAAAAAAAD/fwAA/38AAAAAAAAJAAAABAAAAAAAAAAeAAAAaAAAAAAAAAAAAAAAAAAAAAAAAAAAAAAAECcAABAnAAAAAAAAAAAAAAAAAAAAAAAAAAAAAAAAAAAAAAAAAAAAABQAAAAAAAAAwMD/AAAAAABkAAAAMgAAAAAAAABkAAAAAAAAAH9/fwAKAAAAIgAAABgAAAAAAAAAAAAAAAAAAAAAAAAAAAAAAAAAAAAkAAAAJAAAAAAAAAAHAAAAAAAAAAAAAAAAAAAAAAAAAAAAAAAAAAAAf39/ACUAAABYAAAAAAAAAAAAAAAAAAAAAAAAAAAAAAAAAAAAAAAAAAAAAAAAAAAAAAAAAAAAAAA/AAAAAAAAAKCGAQAAAAAAAAAAAAAAAAAMAAAAAQAAAAAAAAAAAAAAAAAAAB8AAABUAAAAAAAABQAAAAEAAAAAAAAAAAAAAAAAAAAAAAAAAAAAAAAAAAAAAAAAAAAAAAJ/f38AAAAAA8zMzADAwP8Af39/AAAAAAAAAAAAAAAAAAAAAAAAAAAAIQAAABgAAAAUAAAA6BcAAHA1AAAwKgAAQDgAABAAAAAmAAAACAAAAP//////////MAAAABQAAAAAAAAAAAD//wAAAQAAAP//AAABAA=="/>
               </a:ext>
             </a:extLst>
           </p:cNvSpPr>
@@ -651,8 +660,9 @@
               <a:defRPr lang="ru-ru"/>
             </a:pPr>
             <a:fld id="{3BC59C5E-10D6-906A-987D-E63FD2336EB3}" type="slidenum">
-              <a:t/>
+              <a:t>‹#›</a:t>
             </a:fld>
+            <a:endParaRPr/>
           </a:p>
         </p:txBody>
       </p:sp>
@@ -679,7 +689,7 @@
         </a:solidFill>
         <a:effectLst/>
         <a:latin typeface="Calibri" pitchFamily="2" charset="-52"/>
-        <a:ea typeface="SimSun" pitchFamily="0" charset="0"/>
+        <a:ea typeface="SimSun" charset="0"/>
         <a:cs typeface="Times New Roman" pitchFamily="1" charset="-52"/>
       </a:defRPr>
     </a:lvl1pPr>
@@ -701,7 +711,7 @@
         </a:solidFill>
         <a:effectLst/>
         <a:latin typeface="Calibri" pitchFamily="2" charset="-52"/>
-        <a:ea typeface="SimSun" pitchFamily="0" charset="0"/>
+        <a:ea typeface="SimSun" charset="0"/>
         <a:cs typeface="Times New Roman" pitchFamily="1" charset="-52"/>
       </a:defRPr>
     </a:lvl2pPr>
@@ -723,7 +733,7 @@
         </a:solidFill>
         <a:effectLst/>
         <a:latin typeface="Calibri" pitchFamily="2" charset="-52"/>
-        <a:ea typeface="SimSun" pitchFamily="0" charset="0"/>
+        <a:ea typeface="SimSun" charset="0"/>
         <a:cs typeface="Times New Roman" pitchFamily="1" charset="-52"/>
       </a:defRPr>
     </a:lvl3pPr>
@@ -745,7 +755,7 @@
         </a:solidFill>
         <a:effectLst/>
         <a:latin typeface="Calibri" pitchFamily="2" charset="-52"/>
-        <a:ea typeface="SimSun" pitchFamily="0" charset="0"/>
+        <a:ea typeface="SimSun" charset="0"/>
         <a:cs typeface="Times New Roman" pitchFamily="1" charset="-52"/>
       </a:defRPr>
     </a:lvl4pPr>
@@ -767,7 +777,7 @@
         </a:solidFill>
         <a:effectLst/>
         <a:latin typeface="Calibri" pitchFamily="2" charset="-52"/>
-        <a:ea typeface="SimSun" pitchFamily="0" charset="0"/>
+        <a:ea typeface="SimSun" charset="0"/>
         <a:cs typeface="Times New Roman" pitchFamily="1" charset="-52"/>
       </a:defRPr>
     </a:lvl5pPr>
@@ -789,7 +799,7 @@
         </a:solidFill>
         <a:effectLst/>
         <a:latin typeface="Calibri" pitchFamily="2" charset="-52"/>
-        <a:ea typeface="SimSun" pitchFamily="0" charset="0"/>
+        <a:ea typeface="SimSun" charset="0"/>
         <a:cs typeface="Times New Roman" pitchFamily="1" charset="-52"/>
       </a:defRPr>
     </a:lvl6pPr>
@@ -811,7 +821,7 @@
         </a:solidFill>
         <a:effectLst/>
         <a:latin typeface="Calibri" pitchFamily="2" charset="-52"/>
-        <a:ea typeface="SimSun" pitchFamily="0" charset="0"/>
+        <a:ea typeface="SimSun" charset="0"/>
         <a:cs typeface="Times New Roman" pitchFamily="1" charset="-52"/>
       </a:defRPr>
     </a:lvl7pPr>
@@ -833,7 +843,7 @@
         </a:solidFill>
         <a:effectLst/>
         <a:latin typeface="Calibri" pitchFamily="2" charset="-52"/>
-        <a:ea typeface="SimSun" pitchFamily="0" charset="0"/>
+        <a:ea typeface="SimSun" charset="0"/>
         <a:cs typeface="Times New Roman" pitchFamily="1" charset="-52"/>
       </a:defRPr>
     </a:lvl8pPr>
@@ -855,7 +865,7 @@
         </a:solidFill>
         <a:effectLst/>
         <a:latin typeface="Calibri" pitchFamily="2" charset="-52"/>
-        <a:ea typeface="SimSun" pitchFamily="0" charset="0"/>
+        <a:ea typeface="SimSun" charset="0"/>
         <a:cs typeface="Times New Roman" pitchFamily="1" charset="-52"/>
       </a:defRPr>
     </a:lvl9pPr>
@@ -864,7 +874,7 @@
 </file>
 
 <file path=ppt/notesSlides/notesSlide1.xml><?xml version="1.0" encoding="utf-8"?>
-<p:notes xmlns:p="http://schemas.openxmlformats.org/presentationml/2006/main" xmlns:mc="http://schemas.openxmlformats.org/markup-compatibility/2006" xmlns:p14="http://schemas.microsoft.com/office/powerpoint/2010/main" xmlns:p15="http://schemas.microsoft.com/office/powerpoint/2012/main" xmlns:r="http://schemas.openxmlformats.org/officeDocument/2006/relationships" xmlns:a="http://schemas.openxmlformats.org/drawingml/2006/main" showMasterSp="0">
+<p:notes xmlns:a="http://schemas.openxmlformats.org/drawingml/2006/main" xmlns:r="http://schemas.openxmlformats.org/officeDocument/2006/relationships" xmlns:p="http://schemas.openxmlformats.org/presentationml/2006/main" showMasterSp="0">
   <p:cSld>
     <p:bg>
       <p:bgPr>
@@ -892,10 +902,10 @@
         <p:nvSpPr>
           <p:cNvPr id="2" name="РисунокСлайда1"/>
           <p:cNvSpPr>
-            <a:spLocks noGrp="1" noChangeArrowheads="1"/>
-            <a:extLst>
-              <a:ext uri="smNativeData">
-                <pr:smNativeData xmlns:pr="smNativeData" xmlns="smNativeData" val="SMDATA_16_xzE7ZxMAAAAlAAAAZAAAAA8BAAAAkAAAAEgAAACQAAAASAAAAAAAAAABAAAAAAAAAAEAAABQAAAAAAAAAAAA4D8AAAAAAADgPwAAAAAAAOA/AAAAAAAA4D8AAAAAAADgPwAAAAAAAOA/AAAAAAAA4D8AAAAAAADgPwAAAAAAAOA/AAAAAAAA4D8CAAAAjAAAAAEAAAAAAAAARHLEDP///wgAAAAAAAAAAAAAAAAAAAAAAAAAAAAAAAAAAAAAZAAAAAEAAABAAAAAAAAAAAAAAAAAAAAAAAAAAAAAAAAAAAAAAAAAAAAAAAAAAAAAAAAAAAAAAAAAAAAAAAAAAAAAAAAAAAAAAAAAAAAAAAAAAAAAAAAAAAAAAAAAAAAAFAAAADwAAAABAAAAAAAAAAAAAAkUAAAAAQAAABQAAAAUAAAAFAAAAAEAAAAAAAAAZAAAAGQAAAAAAAAAZAAAAGQAAAAVAAAAYAAAAAAAAAAAAAAADwAAACADAAAAAAAAAAAAAAEAAACgMgAAVgcAAKr4//8BAAAAf39/AAEAAABkAAAAAAAAABQAAABAHwAAAAAAACYAAAAAAAAAwOD//wAAAAAmAAAAZAAAABYAAABMAAAAAAAAAAAAAAAEAAAAAAAAAAEAAADn5uYKAAAAACgAAAAoAAAAZAAAAGQAAAAAAAAAzMzMAAAAAABQAAAAUAAAAGQAAABkAAAAAAAAABcAAAAUAAAAAAAAAAAAAAD/fwAA/38AAAAAAAAJAAAABAAAAAAAAAAeAAAAaAAAAAAAAAAAAAAAAAAAAAAAAAAAAAAAECcAABAnAAAAAAAAAAAAAAAAAAAAAAAAAAAAAAAAAAAAAAAAAAAAABQAAAAAAAAAwMD/AAAAAABkAAAAMgAAAAAAAABkAAAAAAAAAH9/fwAKAAAAIgAAABgAAAAAAAAAAAAAAAAAAAAAAAAAAAAAAAAAAAAkAAAAJAAAAAAAAAAHAAAAAAAAAAAAAAAAAAAAAAAAAAAAAAAAAAAAf39/ACUAAABYAAAAAAAAAAAAAAAAAAAAAAAAAAAAAAAAAAAAAAAAAAAAAAAAAAAAAAAAAAAAAAA/AAAAAAAAAKCGAQAAAAAAAAAAAAAAAAAMAAAAAQAAAAAAAAAAAAAAAAAAAB8AAABUAAAAAAAABQAAAAEAAAAAAAAAAAAAAAAAAAAAAAAAAAAAAAAAAAAAAAAAAAAAAAJ/f38AAAAAA8zMzADAwP8Af39/AAAAAAAAAAAAAAAAAAAAAAAAAAAAIQAAABgAAAAUAAAACAcAADgEAAAoIwAAUBkAABAAAAAmAAAACAAAAP////8AAAAAMAAAABQAAAAAAAAAAAD//wAAAQAAAP//AAABAA=="/>
+            <a:spLocks noGrp="1" noRot="1" noChangeAspect="1" noChangeArrowheads="1"/>
+            <a:extLst>
+              <a:ext uri="smNativeData">
+                <pr:smNativeData xmlns:mc="http://schemas.openxmlformats.org/markup-compatibility/2006" xmlns:p14="http://schemas.microsoft.com/office/powerpoint/2010/main" xmlns:p15="http://schemas.microsoft.com/office/powerpoint/2012/main" xmlns:pr="smNativeData" xmlns="smNativeData" val="SMDATA_16_xzE7ZxMAAAAlAAAAZAAAAA8BAAAAkAAAAEgAAACQAAAASAAAAAAAAAABAAAAAAAAAAEAAABQAAAAAAAAAAAA4D8AAAAAAADgPwAAAAAAAOA/AAAAAAAA4D8AAAAAAADgPwAAAAAAAOA/AAAAAAAA4D8AAAAAAADgPwAAAAAAAOA/AAAAAAAA4D8CAAAAjAAAAAEAAAAAAAAARHLEDP///wgAAAAAAAAAAAAAAAAAAAAAAAAAAAAAAAAAAAAAZAAAAAEAAABAAAAAAAAAAAAAAAAAAAAAAAAAAAAAAAAAAAAAAAAAAAAAAAAAAAAAAAAAAAAAAAAAAAAAAAAAAAAAAAAAAAAAAAAAAAAAAAAAAAAAAAAAAAAAAAAAAAAAFAAAADwAAAABAAAAAAAAAAAAAAkUAAAAAQAAABQAAAAUAAAAFAAAAAEAAAAAAAAAZAAAAGQAAAAAAAAAZAAAAGQAAAAVAAAAYAAAAAAAAAAAAAAADwAAACADAAAAAAAAAAAAAAEAAACgMgAAVgcAAKr4//8BAAAAf39/AAEAAABkAAAAAAAAABQAAABAHwAAAAAAACYAAAAAAAAAwOD//wAAAAAmAAAAZAAAABYAAABMAAAAAAAAAAAAAAAEAAAAAAAAAAEAAADn5uYKAAAAACgAAAAoAAAAZAAAAGQAAAAAAAAAzMzMAAAAAABQAAAAUAAAAGQAAABkAAAAAAAAABcAAAAUAAAAAAAAAAAAAAD/fwAA/38AAAAAAAAJAAAABAAAAAAAAAAeAAAAaAAAAAAAAAAAAAAAAAAAAAAAAAAAAAAAECcAABAnAAAAAAAAAAAAAAAAAAAAAAAAAAAAAAAAAAAAAAAAAAAAABQAAAAAAAAAwMD/AAAAAABkAAAAMgAAAAAAAABkAAAAAAAAAH9/fwAKAAAAIgAAABgAAAAAAAAAAAAAAAAAAAAAAAAAAAAAAAAAAAAkAAAAJAAAAAAAAAAHAAAAAAAAAAAAAAAAAAAAAAAAAAAAAAAAAAAAf39/ACUAAABYAAAAAAAAAAAAAAAAAAAAAAAAAAAAAAAAAAAAAAAAAAAAAAAAAAAAAAAAAAAAAAA/AAAAAAAAAKCGAQAAAAAAAAAAAAAAAAAMAAAAAQAAAAAAAAAAAAAAAAAAAB8AAABUAAAAAAAABQAAAAEAAAAAAAAAAAAAAAAAAAAAAAAAAAAAAAAAAAAAAAAAAAAAAAJ/f38AAAAAA8zMzADAwP8Af39/AAAAAAAAAAAAAAAAAAAAAAAAAAAAIQAAABgAAAAUAAAACAcAADgEAAAoIwAAUBkAABAAAAAmAAAACAAAAP////8AAAAAMAAAABQAAAAAAAAAAAD//wAAAQAAAP//AAABAA=="/>
               </a:ext>
             </a:extLst>
           </p:cNvSpPr>
@@ -920,7 +930,7 @@
             <a:spLocks noGrp="1" noChangeArrowheads="1"/>
             <a:extLst>
               <a:ext uri="smNativeData">
-                <pr:smNativeData xmlns:pr="smNativeData" xmlns="smNativeData" val="SMDATA_16_xzE7ZxMAAAAlAAAAZAAAAA8BAAAAkAAAAEgAAACQAAAASAAAAAAAAAAAAAAAAAAAAAEAAABQAAAAAAAAAAAA4D8AAAAAAADgPwAAAAAAAOA/AAAAAAAA4D8AAAAAAADgPwAAAAAAAOA/AAAAAAAA4D8AAAAAAADgPwAAAAAAAOA/AAAAAAAA4D8CAAAAjAAAAAAAAAAAAAAARHLEDP///wgAAAAAAAAAAAAAAAAAAAAAAAAAAAAAAAAAAAAAZAAAAAEAAABAAAAAAAAAAAAAAAAAAAAAAAAAAAAAAAAAAAAAAAAAAAAAAAAAAAAAAAAAAAAAAAAAAAAAAAAAAAAAAAAAAAAAAAAAAAAAAAAAAAAAAAAAAAAAAAAAAAAAFAAAADwAAAAAAAAAAAAAAAAAAAkUAAAAAQAAABQAAAAUAAAAFAAAAAEAAAAAAAAAZAAAAGQAAAAAAAAAZAAAAGQAAAAVAAAAYAAAAAAAAAAAAAAADwAAACADAAAAAAAAAAAAAAEAAACgMgAAVgcAAKr4//8BAAAAf39/AAEAAABkAAAAAAAAABQAAABAHwAAAAAAACYAAAAAAAAAwOD//wAAAAAmAAAAZAAAABYAAABMAAAAAAAAAAAAAAAEAAAAAAAAAAEAAADn5uYKAAAAACgAAAAoAAAAZAAAAGQAAAAAAAAAzMzMAAAAAABQAAAAUAAAAGQAAABkAAAAAAAAABcAAAAUAAAAAAAAAAAAAAD/fwAA/38AAAAAAAAJAAAABAAAAAAAAAAeAAAAaAAAAAAAAAAAAAAAAAAAAAAAAAAAAAAAECcAABAnAAAAAAAAAAAAAAAAAAAAAAAAAAAAAAAAAAAAAAAAAAAAABQAAAAAAAAAwMD/AAAAAABkAAAAMgAAAAAAAABkAAAAAAAAAH9/fwAKAAAAIgAAABgAAAAAAAAAAAAAAAAAAAAAAAAAAAAAAAAAAAAkAAAAJAAAAAAAAAAHAAAAAAAAAAAAAAAAAAAAAAAAAAAAAAAAAAAAf39/ACUAAABYAAAAAAAAAAAAAAAAAAAAAAAAAAAAAAAAAAAAAAAAAAAAAAAAAAAAAAAAAAAAAAA/AAAAAAAAAKCGAQAAAAAAAAAAAAAAAAAMAAAAAQAAAAAAAAAAAAAAAAAAAB8AAABUAAAAAAAABQAAAAEAAAAAAAAAAAAAAAAAAAAAAAAAAAAAAAAAAAAAAAAAAAAAAAJ/f38AAAAAA8zMzADAwP8Af39/AAAAAAAAAAAAAAAAAAAAAAAAAAAAIQAAABgAAAAUAAAAOAQAALgaAAD4JQAACDQAABAAAAAmAAAACAAAAP////8AAAAAMAAAABQAAAAAAAAAAAD//wAAAQAAAP//AAABAA=="/>
+                <pr:smNativeData xmlns:mc="http://schemas.openxmlformats.org/markup-compatibility/2006" xmlns:p14="http://schemas.microsoft.com/office/powerpoint/2010/main" xmlns:p15="http://schemas.microsoft.com/office/powerpoint/2012/main" xmlns:pr="smNativeData" xmlns="smNativeData" val="SMDATA_16_xzE7ZxMAAAAlAAAAZAAAAA8BAAAAkAAAAEgAAACQAAAASAAAAAAAAAAAAAAAAAAAAAEAAABQAAAAAAAAAAAA4D8AAAAAAADgPwAAAAAAAOA/AAAAAAAA4D8AAAAAAADgPwAAAAAAAOA/AAAAAAAA4D8AAAAAAADgPwAAAAAAAOA/AAAAAAAA4D8CAAAAjAAAAAAAAAAAAAAARHLEDP///wgAAAAAAAAAAAAAAAAAAAAAAAAAAAAAAAAAAAAAZAAAAAEAAABAAAAAAAAAAAAAAAAAAAAAAAAAAAAAAAAAAAAAAAAAAAAAAAAAAAAAAAAAAAAAAAAAAAAAAAAAAAAAAAAAAAAAAAAAAAAAAAAAAAAAAAAAAAAAAAAAAAAAFAAAADwAAAAAAAAAAAAAAAAAAAkUAAAAAQAAABQAAAAUAAAAFAAAAAEAAAAAAAAAZAAAAGQAAAAAAAAAZAAAAGQAAAAVAAAAYAAAAAAAAAAAAAAADwAAACADAAAAAAAAAAAAAAEAAACgMgAAVgcAAKr4//8BAAAAf39/AAEAAABkAAAAAAAAABQAAABAHwAAAAAAACYAAAAAAAAAwOD//wAAAAAmAAAAZAAAABYAAABMAAAAAAAAAAAAAAAEAAAAAAAAAAEAAADn5uYKAAAAACgAAAAoAAAAZAAAAGQAAAAAAAAAzMzMAAAAAABQAAAAUAAAAGQAAABkAAAAAAAAABcAAAAUAAAAAAAAAAAAAAD/fwAA/38AAAAAAAAJAAAABAAAAAAAAAAeAAAAaAAAAAAAAAAAAAAAAAAAAAAAAAAAAAAAECcAABAnAAAAAAAAAAAAAAAAAAAAAAAAAAAAAAAAAAAAAAAAAAAAABQAAAAAAAAAwMD/AAAAAABkAAAAMgAAAAAAAABkAAAAAAAAAH9/fwAKAAAAIgAAABgAAAAAAAAAAAAAAAAAAAAAAAAAAAAAAAAAAAAkAAAAJAAAAAAAAAAHAAAAAAAAAAAAAAAAAAAAAAAAAAAAAAAAAAAAf39/ACUAAABYAAAAAAAAAAAAAAAAAAAAAAAAAAAAAAAAAAAAAAAAAAAAAAAAAAAAAAAAAAAAAAA/AAAAAAAAAKCGAQAAAAAAAAAAAAAAAAAMAAAAAQAAAAAAAAAAAAAAAAAAAB8AAABUAAAAAAAABQAAAAEAAAAAAAAAAAAAAAAAAAAAAAAAAAAAAAAAAAAAAAAAAAAAAAJ/f38AAAAAA8zMzADAwP8Af39/AAAAAAAAAAAAAAAAAAAAAAAAAAAAIQAAABgAAAAUAAAAOAQAALgaAAD4JQAACDQAABAAAAAmAAAACAAAAP////8AAAAAMAAAABQAAAAAAAAAAAD//wAAAQAAAP//AAABAA=="/>
               </a:ext>
             </a:extLst>
           </p:cNvSpPr>
@@ -948,6 +958,7 @@
             <a:pPr>
               <a:defRPr lang="ru-ru"/>
             </a:pPr>
+            <a:endParaRPr/>
           </a:p>
         </p:txBody>
       </p:sp>
@@ -960,7 +971,7 @@
 </file>
 
 <file path=ppt/notesSlides/notesSlide2.xml><?xml version="1.0" encoding="utf-8"?>
-<p:notes xmlns:p="http://schemas.openxmlformats.org/presentationml/2006/main" xmlns:mc="http://schemas.openxmlformats.org/markup-compatibility/2006" xmlns:p14="http://schemas.microsoft.com/office/powerpoint/2010/main" xmlns:p15="http://schemas.microsoft.com/office/powerpoint/2012/main" xmlns:r="http://schemas.openxmlformats.org/officeDocument/2006/relationships" xmlns:a="http://schemas.openxmlformats.org/drawingml/2006/main" showMasterSp="0">
+<p:notes xmlns:a="http://schemas.openxmlformats.org/drawingml/2006/main" xmlns:r="http://schemas.openxmlformats.org/officeDocument/2006/relationships" xmlns:p="http://schemas.openxmlformats.org/presentationml/2006/main" showMasterSp="0">
   <p:cSld>
     <p:bg>
       <p:bgPr>
@@ -988,10 +999,10 @@
         <p:nvSpPr>
           <p:cNvPr id="2" name="РисунокСлайда1"/>
           <p:cNvSpPr>
-            <a:spLocks noGrp="1" noChangeArrowheads="1"/>
-            <a:extLst>
-              <a:ext uri="smNativeData">
-                <pr:smNativeData xmlns:pr="smNativeData" xmlns="smNativeData" val="SMDATA_16_xzE7ZxMAAAAlAAAAZAAAAA8BAAAAkAAAAEgAAACQAAAASAAAAAAAAAABAAAAAAAAAAEAAABQAAAAAAAAAAAA4D8AAAAAAADgPwAAAAAAAOA/AAAAAAAA4D8AAAAAAADgPwAAAAAAAOA/AAAAAAAA4D8AAAAAAADgPwAAAAAAAOA/AAAAAAAA4D8CAAAAjAAAAAEAAAAAAAAARHLEDP///wgAAAAAAAAAAAAAAAAAAAAAAAAAAAAAAAAAAAAAZAAAAAEAAABAAAAAAAAAAAAAAAAAAAAAAAAAAAAAAAAAAAAAAAAAAAAAAAAAAAAAAAAAAAAAAAAAAAAAAAAAAAAAAAAAAAAAAAAAAAAAAAAAAAAAAAAAAAAAAAAAAAAAFAAAADwAAAABAAAAAAAAAAAAAAkUAAAAAQAAABQAAAAUAAAAFAAAAAEAAAAAAAAAZAAAAGQAAAAAAAAAZAAAAGQAAAAVAAAAYAAAAAAAAAAAAAAADwAAACADAAAAAAAAAAAAAAEAAACgMgAAVgcAAKr4//8BAAAAf39/AAEAAABkAAAAAAAAABQAAABAHwAAAAAAACYAAAAAAAAAwOD//wAAAAAmAAAAZAAAABYAAABMAAAAAAAAAAAAAAAEAAAAAAAAAAEAAADn5uYKAAAAACgAAAAoAAAAZAAAAGQAAAAAAAAAzMzMAAAAAABQAAAAUAAAAGQAAABkAAAAAAAAABcAAAAUAAAAAAAAAAAAAAD/fwAA/38AAAAAAAAJAAAABAAAAJCCebseAAAAaAAAAAAAAAAAAAAAAAAAAAAAAAAAAAAAECcAABAnAAAAAAAAAAAAAAAAAAAAAAAAAAAAAAAAAAAAAAAAAAAAABQAAAAAAAAAwMD/AAAAAABkAAAAMgAAAAAAAABkAAAAAAAAAH9/fwAKAAAAIgAAABgAAAAAAAAAAAAAAAAAAAAAAAAAAAAAAAAAAAAkAAAAJAAAAAAAAAAHAAAAAAAAAAAAAAAAAAAAAAAAAAAAAAAAAAAAf39/ACUAAABYAAAAAAAAAAAAAAAAAAAAAAAAAAAAAAAAAAAAAAAAAAAAAAAAAAAAAAAAAAAAAAA/AAAAAAAAAKCGAQAAAAAAAAAAAAAAAAAMAAAAAQAAAAAAAAAAAAAAAAAAAB8AAABUAAAAAAAABQAAAAEAAAAAAAAAAAAAAAAAAAAAAAAAAAAAAAAAAAAAAAAAAAAAAAJ/f38AAAAAA8zMzADAwP8Af39/AAAAAAAAAAAAAAAAAAAAAAAAAAAAIQAAABgAAAAUAAAACAcAADgEAAAoIwAAUBkAABAAAAAmAAAACAAAAP////8AAAAAMAAAABQAAAAAAAAAAAD//wAAAQAAAP//AAABAA=="/>
+            <a:spLocks noGrp="1" noRot="1" noChangeAspect="1" noChangeArrowheads="1"/>
+            <a:extLst>
+              <a:ext uri="smNativeData">
+                <pr:smNativeData xmlns:mc="http://schemas.openxmlformats.org/markup-compatibility/2006" xmlns:p14="http://schemas.microsoft.com/office/powerpoint/2010/main" xmlns:p15="http://schemas.microsoft.com/office/powerpoint/2012/main" xmlns:pr="smNativeData" xmlns="smNativeData" val="SMDATA_16_xzE7ZxMAAAAlAAAAZAAAAA8BAAAAkAAAAEgAAACQAAAASAAAAAAAAAABAAAAAAAAAAEAAABQAAAAAAAAAAAA4D8AAAAAAADgPwAAAAAAAOA/AAAAAAAA4D8AAAAAAADgPwAAAAAAAOA/AAAAAAAA4D8AAAAAAADgPwAAAAAAAOA/AAAAAAAA4D8CAAAAjAAAAAEAAAAAAAAARHLEDP///wgAAAAAAAAAAAAAAAAAAAAAAAAAAAAAAAAAAAAAZAAAAAEAAABAAAAAAAAAAAAAAAAAAAAAAAAAAAAAAAAAAAAAAAAAAAAAAAAAAAAAAAAAAAAAAAAAAAAAAAAAAAAAAAAAAAAAAAAAAAAAAAAAAAAAAAAAAAAAAAAAAAAAFAAAADwAAAABAAAAAAAAAAAAAAkUAAAAAQAAABQAAAAUAAAAFAAAAAEAAAAAAAAAZAAAAGQAAAAAAAAAZAAAAGQAAAAVAAAAYAAAAAAAAAAAAAAADwAAACADAAAAAAAAAAAAAAEAAACgMgAAVgcAAKr4//8BAAAAf39/AAEAAABkAAAAAAAAABQAAABAHwAAAAAAACYAAAAAAAAAwOD//wAAAAAmAAAAZAAAABYAAABMAAAAAAAAAAAAAAAEAAAAAAAAAAEAAADn5uYKAAAAACgAAAAoAAAAZAAAAGQAAAAAAAAAzMzMAAAAAABQAAAAUAAAAGQAAABkAAAAAAAAABcAAAAUAAAAAAAAAAAAAAD/fwAA/38AAAAAAAAJAAAABAAAAAAAAAAeAAAAaAAAAAAAAAAAAAAAAAAAAAAAAAAAAAAAECcAABAnAAAAAAAAAAAAAAAAAAAAAAAAAAAAAAAAAAAAAAAAAAAAABQAAAAAAAAAwMD/AAAAAABkAAAAMgAAAAAAAABkAAAAAAAAAH9/fwAKAAAAIgAAABgAAAAAAAAAAAAAAAAAAAAAAAAAAAAAAAAAAAAkAAAAJAAAAAAAAAAHAAAAAAAAAAAAAAAAAAAAAAAAAAAAAAAAAAAAf39/ACUAAABYAAAAAAAAAAAAAAAAAAAAAAAAAAAAAAAAAAAAAAAAAAAAAAAAAAAAAAAAAAAAAAA/AAAAAAAAAKCGAQAAAAAAAAAAAAAAAAAMAAAAAQAAAAAAAAAAAAAAAAAAAB8AAABUAAAAAAAABQAAAAEAAAAAAAAAAAAAAAAAAAAAAAAAAAAAAAAAAAAAAAAAAAAAAAJ/f38AAAAAA8zMzADAwP8Af39/AAAAAAAAAAAAAAAAAAAAAAAAAAAAIQAAABgAAAAUAAAACAcAADgEAAAoIwAAUBkAABAAAAAmAAAACAAAAP////8AAAAAMAAAABQAAAAAAAAAAAD//wAAAQAAAP//AAABAA=="/>
               </a:ext>
             </a:extLst>
           </p:cNvSpPr>
@@ -1016,7 +1027,7 @@
             <a:spLocks noGrp="1" noChangeArrowheads="1"/>
             <a:extLst>
               <a:ext uri="smNativeData">
-                <pr:smNativeData xmlns:pr="smNativeData" xmlns="smNativeData" val="SMDATA_16_xzE7ZxMAAAAlAAAAZAAAAA8BAAAAkAAAAEgAAACQAAAASAAAAAAAAAAAAAAAAAAAAAEAAABQAAAAAAAAAAAA4D8AAAAAAADgPwAAAAAAAOA/AAAAAAAA4D8AAAAAAADgPwAAAAAAAOA/AAAAAAAA4D8AAAAAAADgPwAAAAAAAOA/AAAAAAAA4D8CAAAAjAAAAAAAAAAAAAAARHLEDP///wgAAAAAAAAAAAAAAAAAAAAAAAAAAAAAAAAAAAAAZAAAAAEAAABAAAAAAAAAAAAAAAAAAAAAAAAAAAAAAAAAAAAAAAAAAAAAAAAAAAAAAAAAAAAAAAAAAAAAAAAAAAAAAAAAAAAAAAAAAAAAAAAAAAAAAAAAAAAAAAAAAAAAFAAAADwAAAAAAAAAAAAAAAAAAAkUAAAAAQAAABQAAAAUAAAAFAAAAAEAAAAAAAAAZAAAAGQAAAAAAAAAZAAAAGQAAAAVAAAAYAAAAAAAAAAAAAAADwAAACADAAAAAAAAAAAAAAEAAACgMgAAVgcAAKr4//8BAAAAf39/AAEAAABkAAAAAAAAABQAAABAHwAAAAAAACYAAAAAAAAAwOD//wAAAAAmAAAAZAAAABYAAABMAAAAAAAAAAAAAAAEAAAAAAAAAAEAAADn5uYKAAAAACgAAAAoAAAAZAAAAGQAAAAAAAAAzMzMAAAAAABQAAAAUAAAAGQAAABkAAAAAAAAABcAAAAUAAAAAAAAAAAAAAD/fwAA/38AAAAAAAAJAAAABAAAAAAAAAAeAAAAaAAAAAAAAAAAAAAAAAAAAAAAAAAAAAAAECcAABAnAAAAAAAAAAAAAAAAAAAAAAAAAAAAAAAAAAAAAAAAAAAAABQAAAAAAAAAwMD/AAAAAABkAAAAMgAAAAAAAABkAAAAAAAAAH9/fwAKAAAAIgAAABgAAAAAAAAAAAAAAAAAAAAAAAAAAAAAAAAAAAAkAAAAJAAAAAAAAAAHAAAAAAAAAAAAAAAAAAAAAAAAAAAAAAAAAAAAf39/ACUAAABYAAAAAAAAAAAAAAAAAAAAAAAAAAAAAAAAAAAAAAAAAAAAAAAAAAAAAAAAAAAAAAA/AAAAAAAAAKCGAQAAAAAAAAAAAAAAAAAMAAAAAQAAAAAAAAAAAAAAAAAAAB8AAABUAAAAAAAABQAAAAEAAAAAAAAAAAAAAAAAAAAAAAAAAAAAAAAAAAAAAAAAAAAAAAJ/f38AAAAAA8zMzADAwP8Af39/AAAAAAAAAAAAAAAAAAAAAAAAAAAAIQAAABgAAAAUAAAAOAQAALgaAAD4JQAACDQAABAAAAAmAAAACAAAAP////8AAAAAMAAAABQAAAAAAAAAAAD//wAAAQAAAP//AAABAA=="/>
+                <pr:smNativeData xmlns:mc="http://schemas.openxmlformats.org/markup-compatibility/2006" xmlns:p14="http://schemas.microsoft.com/office/powerpoint/2010/main" xmlns:p15="http://schemas.microsoft.com/office/powerpoint/2012/main" xmlns:pr="smNativeData" xmlns="smNativeData" val="SMDATA_16_xzE7ZxMAAAAlAAAAZAAAAA8BAAAAkAAAAEgAAACQAAAASAAAAAAAAAAAAAAAAAAAAAEAAABQAAAAAAAAAAAA4D8AAAAAAADgPwAAAAAAAOA/AAAAAAAA4D8AAAAAAADgPwAAAAAAAOA/AAAAAAAA4D8AAAAAAADgPwAAAAAAAOA/AAAAAAAA4D8CAAAAjAAAAAAAAAAAAAAARHLEDP///wgAAAAAAAAAAAAAAAAAAAAAAAAAAAAAAAAAAAAAZAAAAAEAAABAAAAAAAAAAAAAAAAAAAAAAAAAAAAAAAAAAAAAAAAAAAAAAAAAAAAAAAAAAAAAAAAAAAAAAAAAAAAAAAAAAAAAAAAAAAAAAAAAAAAAAAAAAAAAAAAAAAAAFAAAADwAAAAAAAAAAAAAAAAAAAkUAAAAAQAAABQAAAAUAAAAFAAAAAEAAAAAAAAAZAAAAGQAAAAAAAAAZAAAAGQAAAAVAAAAYAAAAAAAAAAAAAAADwAAACADAAAAAAAAAAAAAAEAAACgMgAAVgcAAKr4//8BAAAAf39/AAEAAABkAAAAAAAAABQAAABAHwAAAAAAACYAAAAAAAAAwOD//wAAAAAmAAAAZAAAABYAAABMAAAAAAAAAAAAAAAEAAAAAAAAAAEAAADn5uYKAAAAACgAAAAoAAAAZAAAAGQAAAAAAAAAzMzMAAAAAABQAAAAUAAAAGQAAABkAAAAAAAAABcAAAAUAAAAAAAAAAAAAAD/fwAA/38AAAAAAAAJAAAABAAAAAAAAAAeAAAAaAAAAAAAAAAAAAAAAAAAAAAAAAAAAAAAECcAABAnAAAAAAAAAAAAAAAAAAAAAAAAAAAAAAAAAAAAAAAAAAAAABQAAAAAAAAAwMD/AAAAAABkAAAAMgAAAAAAAABkAAAAAAAAAH9/fwAKAAAAIgAAABgAAAAAAAAAAAAAAAAAAAAAAAAAAAAAAAAAAAAkAAAAJAAAAAAAAAAHAAAAAAAAAAAAAAAAAAAAAAAAAAAAAAAAAAAAf39/ACUAAABYAAAAAAAAAAAAAAAAAAAAAAAAAAAAAAAAAAAAAAAAAAAAAAAAAAAAAAAAAAAAAAA/AAAAAAAAAKCGAQAAAAAAAAAAAAAAAAAMAAAAAQAAAAAAAAAAAAAAAAAAAB8AAABUAAAAAAAABQAAAAEAAAAAAAAAAAAAAAAAAAAAAAAAAAAAAAAAAAAAAAAAAAAAAAJ/f38AAAAAA8zMzADAwP8Af39/AAAAAAAAAAAAAAAAAAAAAAAAAAAAIQAAABgAAAAUAAAAOAQAALgaAAD4JQAACDQAABAAAAAmAAAACAAAAP////8AAAAAMAAAABQAAAAAAAAAAAD//wAAAQAAAP//AAABAA=="/>
               </a:ext>
             </a:extLst>
           </p:cNvSpPr>
@@ -1044,6 +1055,7 @@
             <a:pPr>
               <a:defRPr lang="ru-ru"/>
             </a:pPr>
+            <a:endParaRPr/>
           </a:p>
         </p:txBody>
       </p:sp>
@@ -1056,7 +1068,7 @@
 </file>
 
 <file path=ppt/notesSlides/notesSlide3.xml><?xml version="1.0" encoding="utf-8"?>
-<p:notes xmlns:p="http://schemas.openxmlformats.org/presentationml/2006/main" xmlns:mc="http://schemas.openxmlformats.org/markup-compatibility/2006" xmlns:p14="http://schemas.microsoft.com/office/powerpoint/2010/main" xmlns:p15="http://schemas.microsoft.com/office/powerpoint/2012/main" xmlns:r="http://schemas.openxmlformats.org/officeDocument/2006/relationships" xmlns:a="http://schemas.openxmlformats.org/drawingml/2006/main" showMasterSp="0">
+<p:notes xmlns:a="http://schemas.openxmlformats.org/drawingml/2006/main" xmlns:r="http://schemas.openxmlformats.org/officeDocument/2006/relationships" xmlns:p="http://schemas.openxmlformats.org/presentationml/2006/main" showMasterSp="0">
   <p:cSld>
     <p:bg>
       <p:bgPr>
@@ -1084,10 +1096,10 @@
         <p:nvSpPr>
           <p:cNvPr id="2" name="РисунокСлайда1"/>
           <p:cNvSpPr>
-            <a:spLocks noGrp="1" noChangeArrowheads="1"/>
-            <a:extLst>
-              <a:ext uri="smNativeData">
-                <pr:smNativeData xmlns:pr="smNativeData" xmlns="smNativeData" val="SMDATA_16_xzE7ZxMAAAAlAAAAZAAAAA8BAAAAkAAAAEgAAACQAAAASAAAAAAAAAABAAAAAAAAAAEAAABQAAAAAAAAAAAA4D8AAAAAAADgPwAAAAAAAOA/AAAAAAAA4D8AAAAAAADgPwAAAAAAAOA/AAAAAAAA4D8AAAAAAADgPwAAAAAAAOA/AAAAAAAA4D8CAAAAjAAAAAEAAAAAAAAARHLEDP///wgAAAAAAAAAAAAAAAAAAAAAAAAAAAAAAAAAAAAAZAAAAAEAAABAAAAAAAAAAAAAAAAAAAAAAAAAAAAAAAAAAAAAAAAAAAAAAAAAAAAAAAAAAAAAAAAAAAAAAAAAAAAAAAAAAAAAAAAAAAAAAAAAAAAAAAAAAAAAAAAAAAAAFAAAADwAAAABAAAAAAAAAAAAAAkUAAAAAQAAABQAAAAUAAAAFAAAAAEAAAAAAAAAZAAAAGQAAAAAAAAAZAAAAGQAAAAVAAAAYAAAAAAAAAAAAAAADwAAACADAAAAAAAAAAAAAAEAAACgMgAAVgcAAKr4//8BAAAAf39/AAEAAABkAAAAAAAAABQAAABAHwAAAAAAACYAAAAAAAAAwOD//wAAAAAmAAAAZAAAABYAAABMAAAAAAAAAAAAAAAEAAAAAAAAAAEAAADn5uYKAAAAACgAAAAoAAAAZAAAAGQAAAAAAAAAzMzMAAAAAABQAAAAUAAAAGQAAABkAAAAAAAAABcAAAAUAAAAAAAAAAAAAAD/fwAA/38AAAAAAAAJAAAABAAAAAAAAAAeAAAAaAAAAAAAAAAAAAAAAAAAAAAAAAAAAAAAECcAABAnAAAAAAAAAAAAAAAAAAAAAAAAAAAAAAAAAAAAAAAAAAAAABQAAAAAAAAAwMD/AAAAAABkAAAAMgAAAAAAAABkAAAAAAAAAH9/fwAKAAAAIgAAABgAAAAAAAAAAAAAAAAAAAAAAAAAAAAAAAAAAAAkAAAAJAAAAAAAAAAHAAAAAAAAAAAAAAAAAAAAAAAAAAAAAAAAAAAAf39/ACUAAABYAAAAAAAAAAAAAAAAAAAAAAAAAAAAAAAAAAAAAAAAAAAAAAAAAAAAAAAAAAAAAAA/AAAAAAAAAKCGAQAAAAAAAAAAAAAAAAAMAAAAAQAAAAAAAAAAAAAAAAAAAB8AAABUAAAAAAAABQAAAAEAAAAAAAAAAAAAAAAAAAAAAAAAAAAAAAAAAAAAAAAAAAAAAAJ/f38AAAAAA8zMzADAwP8Af39/AAAAAAAAAAAAAAAAAAAAAAAAAAAAIQAAABgAAAAUAAAACAcAADgEAAAoIwAAUBkAABAAAAAmAAAACAAAAP////8AAAAAMAAAABQAAAAAAAAAAAD//wAAAQAAAP//AAABAA=="/>
+            <a:spLocks noGrp="1" noRot="1" noChangeAspect="1" noChangeArrowheads="1"/>
+            <a:extLst>
+              <a:ext uri="smNativeData">
+                <pr:smNativeData xmlns:mc="http://schemas.openxmlformats.org/markup-compatibility/2006" xmlns:p14="http://schemas.microsoft.com/office/powerpoint/2010/main" xmlns:p15="http://schemas.microsoft.com/office/powerpoint/2012/main" xmlns:pr="smNativeData" xmlns="smNativeData" val="SMDATA_16_xzE7ZxMAAAAlAAAAZAAAAA8BAAAAkAAAAEgAAACQAAAASAAAAAAAAAABAAAAAAAAAAEAAABQAAAAAAAAAAAA4D8AAAAAAADgPwAAAAAAAOA/AAAAAAAA4D8AAAAAAADgPwAAAAAAAOA/AAAAAAAA4D8AAAAAAADgPwAAAAAAAOA/AAAAAAAA4D8CAAAAjAAAAAEAAAAAAAAARHLEDP///wgAAAAAAAAAAAAAAAAAAAAAAAAAAAAAAAAAAAAAZAAAAAEAAABAAAAAAAAAAAAAAAAAAAAAAAAAAAAAAAAAAAAAAAAAAAAAAAAAAAAAAAAAAAAAAAAAAAAAAAAAAAAAAAAAAAAAAAAAAAAAAAAAAAAAAAAAAAAAAAAAAAAAFAAAADwAAAABAAAAAAAAAAAAAAkUAAAAAQAAABQAAAAUAAAAFAAAAAEAAAAAAAAAZAAAAGQAAAAAAAAAZAAAAGQAAAAVAAAAYAAAAAAAAAAAAAAADwAAACADAAAAAAAAAAAAAAEAAACgMgAAVgcAAKr4//8BAAAAf39/AAEAAABkAAAAAAAAABQAAABAHwAAAAAAACYAAAAAAAAAwOD//wAAAAAmAAAAZAAAABYAAABMAAAAAAAAAAAAAAAEAAAAAAAAAAEAAADn5uYKAAAAACgAAAAoAAAAZAAAAGQAAAAAAAAAzMzMAAAAAABQAAAAUAAAAGQAAABkAAAAAAAAABcAAAAUAAAAAAAAAAAAAAD/fwAA/38AAAAAAAAJAAAABAAAAAAAAAAeAAAAaAAAAAAAAAAAAAAAAAAAAAAAAAAAAAAAECcAABAnAAAAAAAAAAAAAAAAAAAAAAAAAAAAAAAAAAAAAAAAAAAAABQAAAAAAAAAwMD/AAAAAABkAAAAMgAAAAAAAABkAAAAAAAAAH9/fwAKAAAAIgAAABgAAAAAAAAAAAAAAAAAAAAAAAAAAAAAAAAAAAAkAAAAJAAAAAAAAAAHAAAAAAAAAAAAAAAAAAAAAAAAAAAAAAAAAAAAf39/ACUAAABYAAAAAAAAAAAAAAAAAAAAAAAAAAAAAAAAAAAAAAAAAAAAAAAAAAAAAAAAAAAAAAA/AAAAAAAAAKCGAQAAAAAAAAAAAAAAAAAMAAAAAQAAAAAAAAAAAAAAAAAAAB8AAABUAAAAAAAABQAAAAEAAAAAAAAAAAAAAAAAAAAAAAAAAAAAAAAAAAAAAAAAAAAAAAJ/f38AAAAAA8zMzADAwP8Af39/AAAAAAAAAAAAAAAAAAAAAAAAAAAAIQAAABgAAAAUAAAACAcAADgEAAAoIwAAUBkAABAAAAAmAAAACAAAAP////8AAAAAMAAAABQAAAAAAAAAAAD//wAAAQAAAP//AAABAA=="/>
               </a:ext>
             </a:extLst>
           </p:cNvSpPr>
@@ -1097,8 +1109,8 @@
         </p:nvSpPr>
         <p:spPr>
           <a:xfrm>
-            <a:off x="1143000" y="685800"/>
-            <a:ext cx="4572000" cy="3429000"/>
+            <a:off x="381000" y="685800"/>
+            <a:ext cx="6096000" cy="3429000"/>
           </a:xfrm>
           <a:prstGeom prst="rect">
             <a:avLst/>
@@ -1112,7 +1124,7 @@
             <a:spLocks noGrp="1" noChangeArrowheads="1"/>
             <a:extLst>
               <a:ext uri="smNativeData">
-                <pr:smNativeData xmlns:pr="smNativeData" xmlns="smNativeData" val="SMDATA_16_xzE7ZxMAAAAlAAAAZAAAAA8BAAAAkAAAAEgAAACQAAAASAAAAAAAAAAAAAAAAAAAAAEAAABQAAAAAAAAAAAA4D8AAAAAAADgPwAAAAAAAOA/AAAAAAAA4D8AAAAAAADgPwAAAAAAAOA/AAAAAAAA4D8AAAAAAADgPwAAAAAAAOA/AAAAAAAA4D8CAAAAjAAAAAAAAAAAAAAARHLEDP///wgAAAAAAAAAAAAAAAAAAAAAAAAAAAAAAAAAAAAAZAAAAAEAAABAAAAAAAAAAAAAAAAAAAAAAAAAAAAAAAAAAAAAAAAAAAAAAAAAAAAAAAAAAAAAAAAAAAAAAAAAAAAAAAAAAAAAAAAAAAAAAAAAAAAAAAAAAAAAAAAAAAAAFAAAADwAAAAAAAAAAAAAAAAAAAkUAAAAAQAAABQAAAAUAAAAFAAAAAEAAAAAAAAAZAAAAGQAAAAAAAAAZAAAAGQAAAAVAAAAYAAAAAAAAAAAAAAADwAAACADAAAAAAAAAAAAAAEAAACgMgAAVgcAAKr4//8BAAAAf39/AAEAAABkAAAAAAAAABQAAABAHwAAAAAAACYAAAAAAAAAwOD//wAAAAAmAAAAZAAAABYAAABMAAAAAAAAAAAAAAAEAAAAAAAAAAEAAADn5uYKAAAAACgAAAAoAAAAZAAAAGQAAAAAAAAAzMzMAAAAAABQAAAAUAAAAGQAAABkAAAAAAAAABcAAAAUAAAAAAAAAAAAAAD/fwAA/38AAAAAAAAJAAAABAAAALCOc7seAAAAaAAAAAAAAAAAAAAAAAAAAAAAAAAAAAAAECcAABAnAAAAAAAAAAAAAAAAAAAAAAAAAAAAAAAAAAAAAAAAAAAAABQAAAAAAAAAwMD/AAAAAABkAAAAMgAAAAAAAABkAAAAAAAAAH9/fwAKAAAAIgAAABgAAAAAAAAAAAAAAAAAAAAAAAAAAAAAAAAAAAAkAAAAJAAAAAAAAAAHAAAAAAAAAAAAAAAAAAAAAAAAAAAAAAAAAAAAf39/ACUAAABYAAAAAAAAAAAAAAAAAAAAAAAAAAAAAAAAAAAAAAAAAAAAAAAAAAAAAAAAAAAAAAA/AAAAAAAAAKCGAQAAAAAAAAAAAAAAAAAMAAAAAQAAAAAAAAAAAAAAAAAAAB8AAABUAAAAAAAABQAAAAEAAAAAAAAAAAAAAAAAAAAAAAAAAAAAAAAAAAAAAAAAAAAAAAJ/f38AAAAAA8zMzADAwP8Af39/AAAAAAAAAAAAAAAAAAAAAAAAAAAAIQAAABgAAAAUAAAAOAQAALgaAAD4JQAACDQAABAAAAAmAAAACAAAAP////8AAAAAMAAAABQAAAAAAAAAAAD//wAAAQAAAP//AAABAA=="/>
+                <pr:smNativeData xmlns:mc="http://schemas.openxmlformats.org/markup-compatibility/2006" xmlns:p14="http://schemas.microsoft.com/office/powerpoint/2010/main" xmlns:p15="http://schemas.microsoft.com/office/powerpoint/2012/main" xmlns:pr="smNativeData" xmlns="smNativeData" val="SMDATA_16_xzE7ZxMAAAAlAAAAZAAAAA8BAAAAkAAAAEgAAACQAAAASAAAAAAAAAAAAAAAAAAAAAEAAABQAAAAAAAAAAAA4D8AAAAAAADgPwAAAAAAAOA/AAAAAAAA4D8AAAAAAADgPwAAAAAAAOA/AAAAAAAA4D8AAAAAAADgPwAAAAAAAOA/AAAAAAAA4D8CAAAAjAAAAAAAAAAAAAAARHLEDP///wgAAAAAAAAAAAAAAAAAAAAAAAAAAAAAAAAAAAAAZAAAAAEAAABAAAAAAAAAAAAAAAAAAAAAAAAAAAAAAAAAAAAAAAAAAAAAAAAAAAAAAAAAAAAAAAAAAAAAAAAAAAAAAAAAAAAAAAAAAAAAAAAAAAAAAAAAAAAAAAAAAAAAFAAAADwAAAAAAAAAAAAAAAAAAAkUAAAAAQAAABQAAAAUAAAAFAAAAAEAAAAAAAAAZAAAAGQAAAAAAAAAZAAAAGQAAAAVAAAAYAAAAAAAAAAAAAAADwAAACADAAAAAAAAAAAAAAEAAACgMgAAVgcAAKr4//8BAAAAf39/AAEAAABkAAAAAAAAABQAAABAHwAAAAAAACYAAAAAAAAAwOD//wAAAAAmAAAAZAAAABYAAABMAAAAAAAAAAAAAAAEAAAAAAAAAAEAAADn5uYKAAAAACgAAAAoAAAAZAAAAGQAAAAAAAAAzMzMAAAAAABQAAAAUAAAAGQAAABkAAAAAAAAABcAAAAUAAAAAAAAAAAAAAD/fwAA/38AAAAAAAAJAAAABAAAALCOc7seAAAAaAAAAAAAAAAAAAAAAAAAAAAAAAAAAAAAECcAABAnAAAAAAAAAAAAAAAAAAAAAAAAAAAAAAAAAAAAAAAAAAAAABQAAAAAAAAAwMD/AAAAAABkAAAAMgAAAAAAAABkAAAAAAAAAH9/fwAKAAAAIgAAABgAAAAAAAAAAAAAAAAAAAAAAAAAAAAAAAAAAAAkAAAAJAAAAAAAAAAHAAAAAAAAAAAAAAAAAAAAAAAAAAAAAAAAAAAAf39/ACUAAABYAAAAAAAAAAAAAAAAAAAAAAAAAAAAAAAAAAAAAAAAAAAAAAAAAAAAAAAAAAAAAAA/AAAAAAAAAKCGAQAAAAAAAAAAAAAAAAAMAAAAAQAAAAAAAAAAAAAAAAAAAB8AAABUAAAAAAAABQAAAAEAAAAAAAAAAAAAAAAAAAAAAAAAAAAAAAAAAAAAAAAAAAAAAAJ/f38AAAAAA8zMzADAwP8Af39/AAAAAAAAAAAAAAAAAAAAAAAAAAAAIQAAABgAAAAUAAAAOAQAALgaAAD4JQAACDQAABAAAAAmAAAACAAAAP////8AAAAAMAAAABQAAAAAAAAAAAD//wAAAQAAAP//AAABAA=="/>
               </a:ext>
             </a:extLst>
           </p:cNvSpPr>
@@ -1140,6 +1152,7 @@
             <a:pPr>
               <a:defRPr lang="ru-ru"/>
             </a:pPr>
+            <a:endParaRPr/>
           </a:p>
         </p:txBody>
       </p:sp>
@@ -1152,7 +1165,7 @@
 </file>
 
 <file path=ppt/notesSlides/notesSlide4.xml><?xml version="1.0" encoding="utf-8"?>
-<p:notes xmlns:p="http://schemas.openxmlformats.org/presentationml/2006/main" xmlns:mc="http://schemas.openxmlformats.org/markup-compatibility/2006" xmlns:p14="http://schemas.microsoft.com/office/powerpoint/2010/main" xmlns:p15="http://schemas.microsoft.com/office/powerpoint/2012/main" xmlns:r="http://schemas.openxmlformats.org/officeDocument/2006/relationships" xmlns:a="http://schemas.openxmlformats.org/drawingml/2006/main" showMasterSp="0">
+<p:notes xmlns:a="http://schemas.openxmlformats.org/drawingml/2006/main" xmlns:r="http://schemas.openxmlformats.org/officeDocument/2006/relationships" xmlns:p="http://schemas.openxmlformats.org/presentationml/2006/main" showMasterSp="0">
   <p:cSld>
     <p:bg>
       <p:bgPr>
@@ -1180,10 +1193,10 @@
         <p:nvSpPr>
           <p:cNvPr id="2" name="РисунокСлайда1"/>
           <p:cNvSpPr>
-            <a:spLocks noGrp="1" noChangeArrowheads="1"/>
-            <a:extLst>
-              <a:ext uri="smNativeData">
-                <pr:smNativeData xmlns:pr="smNativeData" xmlns="smNativeData" val="SMDATA_16_xzE7ZxMAAAAlAAAAZAAAAA8BAAAAkAAAAEgAAACQAAAASAAAAAAAAAABAAAAAAAAAAEAAABQAAAAAAAAAAAA4D8AAAAAAADgPwAAAAAAAOA/AAAAAAAA4D8AAAAAAADgPwAAAAAAAOA/AAAAAAAA4D8AAAAAAADgPwAAAAAAAOA/AAAAAAAA4D8CAAAAjAAAAAEAAAAAAAAARHLEDP///wgAAAAAAAAAAAAAAAAAAAAAAAAAAAAAAAAAAAAAZAAAAAEAAABAAAAAAAAAAAAAAAAAAAAAAAAAAAAAAAAAAAAAAAAAAAAAAAAAAAAAAAAAAAAAAAAAAAAAAAAAAAAAAAAAAAAAAAAAAAAAAAAAAAAAAAAAAAAAAAAAAAAAFAAAADwAAAABAAAAAAAAAAAAAAkUAAAAAQAAABQAAAAUAAAAFAAAAAEAAAAAAAAAZAAAAGQAAAAAAAAAZAAAAGQAAAAVAAAAYAAAAAAAAAAAAAAADwAAACADAAAAAAAAAAAAAAEAAACgMgAAVgcAAKr4//8BAAAAf39/AAEAAABkAAAAAAAAABQAAABAHwAAAAAAACYAAAAAAAAAwOD//wAAAAAmAAAAZAAAABYAAABMAAAAAAAAAAAAAAAEAAAAAAAAAAEAAADn5uYKAAAAACgAAAAoAAAAZAAAAGQAAAAAAAAAzMzMAAAAAABQAAAAUAAAAGQAAABkAAAAAAAAABcAAAAUAAAAAAAAAAAAAAD/fwAA/38AAAAAAAAJAAAABAAAAAAAAAAeAAAAaAAAAAAAAAAAAAAAAAAAAAAAAAAAAAAAECcAABAnAAAAAAAAAAAAAAAAAAAAAAAAAAAAAAAAAAAAAAAAAAAAABQAAAAAAAAAwMD/AAAAAABkAAAAMgAAAAAAAABkAAAAAAAAAH9/fwAKAAAAIgAAABgAAAAAAAAAAAAAAAAAAAAAAAAAAAAAAAAAAAAkAAAAJAAAAAAAAAAHAAAAAAAAAAAAAAAAAAAAAAAAAAAAAAAAAAAAf39/ACUAAABYAAAAAAAAAAAAAAAAAAAAAAAAAAAAAAAAAAAAAAAAAAAAAAAAAAAAAAAAAAAAAAA/AAAAAAAAAKCGAQAAAAAAAAAAAAAAAAAMAAAAAQAAAAAAAAAAAAAAAAAAAB8AAABUAAAAAAAABQAAAAEAAAAAAAAAAAAAAAAAAAAAAAAAAAAAAAAAAAAAAAAAAAAAAAJ/f38AAAAAA8zMzADAwP8Af39/AAAAAAAAAAAAAAAAAAAAAAAAAAAAIQAAABgAAAAUAAAACAcAADgEAAAoIwAAUBkAABAAAAAmAAAACAAAAP////8AAAAAMAAAABQAAAAAAAAAAAD//wAAAQAAAP//AAABAA=="/>
+            <a:spLocks noGrp="1" noRot="1" noChangeAspect="1" noChangeArrowheads="1"/>
+            <a:extLst>
+              <a:ext uri="smNativeData">
+                <pr:smNativeData xmlns:mc="http://schemas.openxmlformats.org/markup-compatibility/2006" xmlns:p14="http://schemas.microsoft.com/office/powerpoint/2010/main" xmlns:p15="http://schemas.microsoft.com/office/powerpoint/2012/main" xmlns:pr="smNativeData" xmlns="smNativeData" val="SMDATA_16_xzE7ZxMAAAAlAAAAZAAAAA8BAAAAkAAAAEgAAACQAAAASAAAAAAAAAABAAAAAAAAAAEAAABQAAAAAAAAAAAA4D8AAAAAAADgPwAAAAAAAOA/AAAAAAAA4D8AAAAAAADgPwAAAAAAAOA/AAAAAAAA4D8AAAAAAADgPwAAAAAAAOA/AAAAAAAA4D8CAAAAjAAAAAEAAAAAAAAARHLEDP///wgAAAAAAAAAAAAAAAAAAAAAAAAAAAAAAAAAAAAAZAAAAAEAAABAAAAAAAAAAAAAAAAAAAAAAAAAAAAAAAAAAAAAAAAAAAAAAAAAAAAAAAAAAAAAAAAAAAAAAAAAAAAAAAAAAAAAAAAAAAAAAAAAAAAAAAAAAAAAAAAAAAAAFAAAADwAAAABAAAAAAAAAAAAAAkUAAAAAQAAABQAAAAUAAAAFAAAAAEAAAAAAAAAZAAAAGQAAAAAAAAAZAAAAGQAAAAVAAAAYAAAAAAAAAAAAAAADwAAACADAAAAAAAAAAAAAAEAAACgMgAAVgcAAKr4//8BAAAAf39/AAEAAABkAAAAAAAAABQAAABAHwAAAAAAACYAAAAAAAAAwOD//wAAAAAmAAAAZAAAABYAAABMAAAAAAAAAAAAAAAEAAAAAAAAAAEAAADn5uYKAAAAACgAAAAoAAAAZAAAAGQAAAAAAAAAzMzMAAAAAABQAAAAUAAAAGQAAABkAAAAAAAAABcAAAAUAAAAAAAAAAAAAAD/fwAA/38AAAAAAAAJAAAABAAAAAAAAAAeAAAAaAAAAAAAAAAAAAAAAAAAAAAAAAAAAAAAECcAABAnAAAAAAAAAAAAAAAAAAAAAAAAAAAAAAAAAAAAAAAAAAAAABQAAAAAAAAAwMD/AAAAAABkAAAAMgAAAAAAAABkAAAAAAAAAH9/fwAKAAAAIgAAABgAAAAAAAAAAAAAAAAAAAAAAAAAAAAAAAAAAAAkAAAAJAAAAAAAAAAHAAAAAAAAAAAAAAAAAAAAAAAAAAAAAAAAAAAAf39/ACUAAABYAAAAAAAAAAAAAAAAAAAAAAAAAAAAAAAAAAAAAAAAAAAAAAAAAAAAAAAAAAAAAAA/AAAAAAAAAKCGAQAAAAAAAAAAAAAAAAAMAAAAAQAAAAAAAAAAAAAAAAAAAB8AAABUAAAAAAAABQAAAAEAAAAAAAAAAAAAAAAAAAAAAAAAAAAAAAAAAAAAAAAAAAAAAAJ/f38AAAAAA8zMzADAwP8Af39/AAAAAAAAAAAAAAAAAAAAAAAAAAAAIQAAABgAAAAUAAAACAcAADgEAAAoIwAAUBkAABAAAAAmAAAACAAAAP////8AAAAAMAAAABQAAAAAAAAAAAD//wAAAQAAAP//AAABAA=="/>
               </a:ext>
             </a:extLst>
           </p:cNvSpPr>
@@ -1193,8 +1206,8 @@
         </p:nvSpPr>
         <p:spPr>
           <a:xfrm>
-            <a:off x="1143000" y="685800"/>
-            <a:ext cx="4572000" cy="3429000"/>
+            <a:off x="381000" y="685800"/>
+            <a:ext cx="6096000" cy="3429000"/>
           </a:xfrm>
           <a:prstGeom prst="rect">
             <a:avLst/>
@@ -1208,7 +1221,7 @@
             <a:spLocks noGrp="1" noChangeArrowheads="1"/>
             <a:extLst>
               <a:ext uri="smNativeData">
-                <pr:smNativeData xmlns:pr="smNativeData" xmlns="smNativeData" val="SMDATA_16_xzE7ZxMAAAAlAAAAZAAAAA8BAAAAkAAAAEgAAACQAAAASAAAAAAAAAAAAAAAAAAAAAEAAABQAAAAAAAAAAAA4D8AAAAAAADgPwAAAAAAAOA/AAAAAAAA4D8AAAAAAADgPwAAAAAAAOA/AAAAAAAA4D8AAAAAAADgPwAAAAAAAOA/AAAAAAAA4D8CAAAAjAAAAAAAAAAAAAAARHLEDP///wgAAAAAAAAAAAAAAAAAAAAAAAAAAAAAAAAAAAAAZAAAAAEAAABAAAAAAAAAAAAAAAAAAAAAAAAAAAAAAAAAAAAAAAAAAAAAAAAAAAAAAAAAAAAAAAAAAAAAAAAAAAAAAAAAAAAAAAAAAAAAAAAAAAAAAAAAAAAAAAAAAAAAFAAAADwAAAAAAAAAAAAAAAAAAAkUAAAAAQAAABQAAAAUAAAAFAAAAAEAAAAAAAAAZAAAAGQAAAAAAAAAZAAAAGQAAAAVAAAAYAAAAAAAAAAAAAAADwAAACADAAAAAAAAAAAAAAEAAACgMgAAVgcAAKr4//8BAAAAf39/AAEAAABkAAAAAAAAABQAAABAHwAAAAAAACYAAAAAAAAAwOD//wAAAAAmAAAAZAAAABYAAABMAAAAAAAAAAAAAAAEAAAAAAAAAAEAAADn5uYKAAAAACgAAAAoAAAAZAAAAGQAAAAAAAAAzMzMAAAAAABQAAAAUAAAAGQAAABkAAAAAAAAABcAAAAUAAAAAAAAAAAAAAD/fwAA/38AAAAAAAAJAAAABAAAAAAAAAAeAAAAaAAAAAAAAAAAAAAAAAAAAAAAAAAAAAAAECcAABAnAAAAAAAAAAAAAAAAAAAAAAAAAAAAAAAAAAAAAAAAAAAAABQAAAAAAAAAwMD/AAAAAABkAAAAMgAAAAAAAABkAAAAAAAAAH9/fwAKAAAAIgAAABgAAAAAAAAAAAAAAAAAAAAAAAAAAAAAAAAAAAAkAAAAJAAAAAAAAAAHAAAAAAAAAAAAAAAAAAAAAAAAAAAAAAAAAAAAf39/ACUAAABYAAAAAAAAAAAAAAAAAAAAAAAAAAAAAAAAAAAAAAAAAAAAAAAAAAAAAAAAAAAAAAA/AAAAAAAAAKCGAQAAAAAAAAAAAAAAAAAMAAAAAQAAAAAAAAAAAAAAAAAAAB8AAABUAAAAAAAABQAAAAEAAAAAAAAAAAAAAAAAAAAAAAAAAAAAAAAAAAAAAAAAAAAAAAJ/f38AAAAAA8zMzADAwP8Af39/AAAAAAAAAAAAAAAAAAAAAAAAAAAAIQAAABgAAAAUAAAAOAQAALgaAAD4JQAACDQAABAAAAAmAAAACAAAAP////8AAAAAMAAAABQAAAAAAAAAAAD//wAAAQAAAP//AAABAA=="/>
+                <pr:smNativeData xmlns:mc="http://schemas.openxmlformats.org/markup-compatibility/2006" xmlns:p14="http://schemas.microsoft.com/office/powerpoint/2010/main" xmlns:p15="http://schemas.microsoft.com/office/powerpoint/2012/main" xmlns:pr="smNativeData" xmlns="smNativeData" val="SMDATA_16_xzE7ZxMAAAAlAAAAZAAAAA8BAAAAkAAAAEgAAACQAAAASAAAAAAAAAAAAAAAAAAAAAEAAABQAAAAAAAAAAAA4D8AAAAAAADgPwAAAAAAAOA/AAAAAAAA4D8AAAAAAADgPwAAAAAAAOA/AAAAAAAA4D8AAAAAAADgPwAAAAAAAOA/AAAAAAAA4D8CAAAAjAAAAAAAAAAAAAAARHLEDP///wgAAAAAAAAAAAAAAAAAAAAAAAAAAAAAAAAAAAAAZAAAAAEAAABAAAAAAAAAAAAAAAAAAAAAAAAAAAAAAAAAAAAAAAAAAAAAAAAAAAAAAAAAAAAAAAAAAAAAAAAAAAAAAAAAAAAAAAAAAAAAAAAAAAAAAAAAAAAAAAAAAAAAFAAAADwAAAAAAAAAAAAAAAAAAAkUAAAAAQAAABQAAAAUAAAAFAAAAAEAAAAAAAAAZAAAAGQAAAAAAAAAZAAAAGQAAAAVAAAAYAAAAAAAAAAAAAAADwAAACADAAAAAAAAAAAAAAEAAACgMgAAVgcAAKr4//8BAAAAf39/AAEAAABkAAAAAAAAABQAAABAHwAAAAAAACYAAAAAAAAAwOD//wAAAAAmAAAAZAAAABYAAABMAAAAAAAAAAAAAAAEAAAAAAAAAAEAAADn5uYKAAAAACgAAAAoAAAAZAAAAGQAAAAAAAAAzMzMAAAAAABQAAAAUAAAAGQAAABkAAAAAAAAABcAAAAUAAAAAAAAAAAAAAD/fwAA/38AAAAAAAAJAAAABAAAAAAAAAAeAAAAaAAAAAAAAAAAAAAAAAAAAAAAAAAAAAAAECcAABAnAAAAAAAAAAAAAAAAAAAAAAAAAAAAAAAAAAAAAAAAAAAAABQAAAAAAAAAwMD/AAAAAABkAAAAMgAAAAAAAABkAAAAAAAAAH9/fwAKAAAAIgAAABgAAAAAAAAAAAAAAAAAAAAAAAAAAAAAAAAAAAAkAAAAJAAAAAAAAAAHAAAAAAAAAAAAAAAAAAAAAAAAAAAAAAAAAAAAf39/ACUAAABYAAAAAAAAAAAAAAAAAAAAAAAAAAAAAAAAAAAAAAAAAAAAAAAAAAAAAAAAAAAAAAA/AAAAAAAAAKCGAQAAAAAAAAAAAAAAAAAMAAAAAQAAAAAAAAAAAAAAAAAAAB8AAABUAAAAAAAABQAAAAEAAAAAAAAAAAAAAAAAAAAAAAAAAAAAAAAAAAAAAAAAAAAAAAJ/f38AAAAAA8zMzADAwP8Af39/AAAAAAAAAAAAAAAAAAAAAAAAAAAAIQAAABgAAAAUAAAAOAQAALgaAAD4JQAACDQAABAAAAAmAAAACAAAAP////8AAAAAMAAAABQAAAAAAAAAAAD//wAAAQAAAP//AAABAA=="/>
               </a:ext>
             </a:extLst>
           </p:cNvSpPr>
@@ -1236,6 +1249,7 @@
             <a:pPr>
               <a:defRPr lang="ru-ru"/>
             </a:pPr>
+            <a:endParaRPr/>
           </a:p>
         </p:txBody>
       </p:sp>
@@ -1248,7 +1262,7 @@
 </file>
 
 <file path=ppt/notesSlides/notesSlide5.xml><?xml version="1.0" encoding="utf-8"?>
-<p:notes xmlns:p="http://schemas.openxmlformats.org/presentationml/2006/main" xmlns:mc="http://schemas.openxmlformats.org/markup-compatibility/2006" xmlns:p14="http://schemas.microsoft.com/office/powerpoint/2010/main" xmlns:p15="http://schemas.microsoft.com/office/powerpoint/2012/main" xmlns:r="http://schemas.openxmlformats.org/officeDocument/2006/relationships" xmlns:a="http://schemas.openxmlformats.org/drawingml/2006/main" showMasterSp="0">
+<p:notes xmlns:a="http://schemas.openxmlformats.org/drawingml/2006/main" xmlns:r="http://schemas.openxmlformats.org/officeDocument/2006/relationships" xmlns:p="http://schemas.openxmlformats.org/presentationml/2006/main" showMasterSp="0">
   <p:cSld>
     <p:bg>
       <p:bgPr>
@@ -1276,10 +1290,10 @@
         <p:nvSpPr>
           <p:cNvPr id="2" name="РисунокСлайда1"/>
           <p:cNvSpPr>
-            <a:spLocks noGrp="1" noChangeArrowheads="1"/>
-            <a:extLst>
-              <a:ext uri="smNativeData">
-                <pr:smNativeData xmlns:pr="smNativeData" xmlns="smNativeData" val="SMDATA_16_xzE7ZxMAAAAlAAAAZAAAAA8BAAAAkAAAAEgAAACQAAAASAAAAAAAAAABAAAAAAAAAAEAAABQAAAAAAAAAAAA4D8AAAAAAADgPwAAAAAAAOA/AAAAAAAA4D8AAAAAAADgPwAAAAAAAOA/AAAAAAAA4D8AAAAAAADgPwAAAAAAAOA/AAAAAAAA4D8CAAAAjAAAAAEAAAAAAAAARHLEDP///wgAAAAAAAAAAAAAAAAAAAAAAAAAAAAAAAAAAAAAZAAAAAEAAABAAAAAAAAAAAAAAAAAAAAAAAAAAAAAAAAAAAAAAAAAAAAAAAAAAAAAAAAAAAAAAAAAAAAAAAAAAAAAAAAAAAAAAAAAAAAAAAAAAAAAAAAAAAAAAAAAAAAAFAAAADwAAAABAAAAAAAAAAAAAAkUAAAAAQAAABQAAAAUAAAAFAAAAAEAAAAAAAAAZAAAAGQAAAAAAAAAZAAAAGQAAAAVAAAAYAAAAAAAAAAAAAAADwAAACADAAAAAAAAAAAAAAEAAACgMgAAVgcAAKr4//8BAAAAf39/AAEAAABkAAAAAAAAABQAAABAHwAAAAAAACYAAAAAAAAAwOD//wAAAAAmAAAAZAAAABYAAABMAAAAAAAAAAAAAAAEAAAAAAAAAAEAAADn5uYKAAAAACgAAAAoAAAAZAAAAGQAAAAAAAAAzMzMAAAAAABQAAAAUAAAAGQAAABkAAAAAAAAABcAAAAUAAAAAAAAAAAAAAD/fwAA/38AAAAAAAAJAAAABAAAAAAAAAAeAAAAaAAAAAAAAAAAAAAAAAAAAAAAAAAAAAAAECcAABAnAAAAAAAAAAAAAAAAAAAAAAAAAAAAAAAAAAAAAAAAAAAAABQAAAAAAAAAwMD/AAAAAABkAAAAMgAAAAAAAABkAAAAAAAAAH9/fwAKAAAAIgAAABgAAAAAAAAAAAAAAAAAAAAAAAAAAAAAAAAAAAAkAAAAJAAAAAAAAAAHAAAAAAAAAAAAAAAAAAAAAAAAAAAAAAAAAAAAf39/ACUAAABYAAAAAAAAAAAAAAAAAAAAAAAAAAAAAAAAAAAAAAAAAAAAAAAAAAAAAAAAAAAAAAA/AAAAAAAAAKCGAQAAAAAAAAAAAAAAAAAMAAAAAQAAAAAAAAAAAAAAAAAAAB8AAABUAAAAAAAABQAAAAEAAAAAAAAAAAAAAAAAAAAAAAAAAAAAAAAAAAAAAAAAAAAAAAJ/f38AAAAAA8zMzADAwP8Af39/AAAAAAAAAAAAAAAAAAAAAAAAAAAAIQAAABgAAAAUAAAACAcAADgEAAAoIwAAUBkAABAAAAAmAAAACAAAAP////8AAAAAMAAAABQAAAAAAAAAAAD//wAAAQAAAP//AAABAA=="/>
+            <a:spLocks noGrp="1" noRot="1" noChangeAspect="1" noChangeArrowheads="1"/>
+            <a:extLst>
+              <a:ext uri="smNativeData">
+                <pr:smNativeData xmlns:mc="http://schemas.openxmlformats.org/markup-compatibility/2006" xmlns:p14="http://schemas.microsoft.com/office/powerpoint/2010/main" xmlns:p15="http://schemas.microsoft.com/office/powerpoint/2012/main" xmlns:pr="smNativeData" xmlns="smNativeData" val="SMDATA_16_xzE7ZxMAAAAlAAAAZAAAAA8BAAAAkAAAAEgAAACQAAAASAAAAAAAAAABAAAAAAAAAAEAAABQAAAAAAAAAAAA4D8AAAAAAADgPwAAAAAAAOA/AAAAAAAA4D8AAAAAAADgPwAAAAAAAOA/AAAAAAAA4D8AAAAAAADgPwAAAAAAAOA/AAAAAAAA4D8CAAAAjAAAAAEAAAAAAAAARHLEDP///wgAAAAAAAAAAAAAAAAAAAAAAAAAAAAAAAAAAAAAZAAAAAEAAABAAAAAAAAAAAAAAAAAAAAAAAAAAAAAAAAAAAAAAAAAAAAAAAAAAAAAAAAAAAAAAAAAAAAAAAAAAAAAAAAAAAAAAAAAAAAAAAAAAAAAAAAAAAAAAAAAAAAAFAAAADwAAAABAAAAAAAAAAAAAAkUAAAAAQAAABQAAAAUAAAAFAAAAAEAAAAAAAAAZAAAAGQAAAAAAAAAZAAAAGQAAAAVAAAAYAAAAAAAAAAAAAAADwAAACADAAAAAAAAAAAAAAEAAACgMgAAVgcAAKr4//8BAAAAf39/AAEAAABkAAAAAAAAABQAAABAHwAAAAAAACYAAAAAAAAAwOD//wAAAAAmAAAAZAAAABYAAABMAAAAAAAAAAAAAAAEAAAAAAAAAAEAAADn5uYKAAAAACgAAAAoAAAAZAAAAGQAAAAAAAAAzMzMAAAAAABQAAAAUAAAAGQAAABkAAAAAAAAABcAAAAUAAAAAAAAAAAAAAD/fwAA/38AAAAAAAAJAAAABAAAAIgAAAAeAAAAaAAAAAAAAAAAAAAAAAAAAAAAAAAAAAAAECcAABAnAAAAAAAAAAAAAAAAAAAAAAAAAAAAAAAAAAAAAAAAAAAAABQAAAAAAAAAwMD/AAAAAABkAAAAMgAAAAAAAABkAAAAAAAAAH9/fwAKAAAAIgAAABgAAAAAAAAAAAAAAAAAAAAAAAAAAAAAAAAAAAAkAAAAJAAAAAAAAAAHAAAAAAAAAAAAAAAAAAAAAAAAAAAAAAAAAAAAf39/ACUAAABYAAAAAAAAAAAAAAAAAAAAAAAAAAAAAAAAAAAAAAAAAAAAAAAAAAAAAAAAAAAAAAA/AAAAAAAAAKCGAQAAAAAAAAAAAAAAAAAMAAAAAQAAAAAAAAAAAAAAAAAAAB8AAABUAAAAAAAABQAAAAEAAAAAAAAAAAAAAAAAAAAAAAAAAAAAAAAAAAAAAAAAAAAAAAJ/f38AAAAAA8zMzADAwP8Af39/AAAAAAAAAAAAAAAAAAAAAAAAAAAAIQAAABgAAAAUAAAACAcAADgEAAAoIwAAUBkAABAAAAAmAAAACAAAAP////8AAAAAMAAAABQAAAAAAAAAAAD//wAAAQAAAP//AAABAA=="/>
               </a:ext>
             </a:extLst>
           </p:cNvSpPr>
@@ -1304,7 +1318,7 @@
             <a:spLocks noGrp="1" noChangeArrowheads="1"/>
             <a:extLst>
               <a:ext uri="smNativeData">
-                <pr:smNativeData xmlns:pr="smNativeData" xmlns="smNativeData" val="SMDATA_16_xzE7ZxMAAAAlAAAAZAAAAA8BAAAAkAAAAEgAAACQAAAASAAAAAAAAAAAAAAAAAAAAAEAAABQAAAAAAAAAAAA4D8AAAAAAADgPwAAAAAAAOA/AAAAAAAA4D8AAAAAAADgPwAAAAAAAOA/AAAAAAAA4D8AAAAAAADgPwAAAAAAAOA/AAAAAAAA4D8CAAAAjAAAAAAAAAAAAAAARHLEDP///wgAAAAAAAAAAAAAAAAAAAAAAAAAAAAAAAAAAAAAZAAAAAEAAABAAAAAAAAAAAAAAAAAAAAAAAAAAAAAAAAAAAAAAAAAAAAAAAAAAAAAAAAAAAAAAAAAAAAAAAAAAAAAAAAAAAAAAAAAAAAAAAAAAAAAAAAAAAAAAAAAAAAAFAAAADwAAAAAAAAAAAAAAAAAAAkUAAAAAQAAABQAAAAUAAAAFAAAAAEAAAAAAAAAZAAAAGQAAAAAAAAAZAAAAGQAAAAVAAAAYAAAAAAAAAAAAAAADwAAACADAAAAAAAAAAAAAAEAAACgMgAAVgcAAKr4//8BAAAAf39/AAEAAABkAAAAAAAAABQAAABAHwAAAAAAACYAAAAAAAAAwOD//wAAAAAmAAAAZAAAABYAAABMAAAAAAAAAAAAAAAEAAAAAAAAAAEAAADn5uYKAAAAACgAAAAoAAAAZAAAAGQAAAAAAAAAzMzMAAAAAABQAAAAUAAAAGQAAABkAAAAAAAAABcAAAAUAAAAAAAAAAAAAAD/fwAA/38AAAAAAAAJAAAABAAAAAAAAAAeAAAAaAAAAAAAAAAAAAAAAAAAAAAAAAAAAAAAECcAABAnAAAAAAAAAAAAAAAAAAAAAAAAAAAAAAAAAAAAAAAAAAAAABQAAAAAAAAAwMD/AAAAAABkAAAAMgAAAAAAAABkAAAAAAAAAH9/fwAKAAAAIgAAABgAAAAAAAAAAAAAAAAAAAAAAAAAAAAAAAAAAAAkAAAAJAAAAAAAAAAHAAAAAAAAAAAAAAAAAAAAAAAAAAAAAAAAAAAAf39/ACUAAABYAAAAAAAAAAAAAAAAAAAAAAAAAAAAAAAAAAAAAAAAAAAAAAAAAAAAAAAAAAAAAAA/AAAAAAAAAKCGAQAAAAAAAAAAAAAAAAAMAAAAAQAAAAAAAAAAAAAAAAAAAB8AAABUAAAAAAAABQAAAAEAAAAAAAAAAAAAAAAAAAAAAAAAAAAAAAAAAAAAAAAAAAAAAAJ/f38AAAAAA8zMzADAwP8Af39/AAAAAAAAAAAAAAAAAAAAAAAAAAAAIQAAABgAAAAUAAAAOAQAALgaAAD4JQAACDQAABAAAAAmAAAACAAAAP////8AAAAAMAAAABQAAAAAAAAAAAD//wAAAQAAAP//AAABAA=="/>
+                <pr:smNativeData xmlns:mc="http://schemas.openxmlformats.org/markup-compatibility/2006" xmlns:p14="http://schemas.microsoft.com/office/powerpoint/2010/main" xmlns:p15="http://schemas.microsoft.com/office/powerpoint/2012/main" xmlns:pr="smNativeData" xmlns="smNativeData" val="SMDATA_16_xzE7ZxMAAAAlAAAAZAAAAA8BAAAAkAAAAEgAAACQAAAASAAAAAAAAAAAAAAAAAAAAAEAAABQAAAAAAAAAAAA4D8AAAAAAADgPwAAAAAAAOA/AAAAAAAA4D8AAAAAAADgPwAAAAAAAOA/AAAAAAAA4D8AAAAAAADgPwAAAAAAAOA/AAAAAAAA4D8CAAAAjAAAAAAAAAAAAAAARHLEDP///wgAAAAAAAAAAAAAAAAAAAAAAAAAAAAAAAAAAAAAZAAAAAEAAABAAAAAAAAAAAAAAAAAAAAAAAAAAAAAAAAAAAAAAAAAAAAAAAAAAAAAAAAAAAAAAAAAAAAAAAAAAAAAAAAAAAAAAAAAAAAAAAAAAAAAAAAAAAAAAAAAAAAAFAAAADwAAAAAAAAAAAAAAAAAAAkUAAAAAQAAABQAAAAUAAAAFAAAAAEAAAAAAAAAZAAAAGQAAAAAAAAAZAAAAGQAAAAVAAAAYAAAAAAAAAAAAAAADwAAACADAAAAAAAAAAAAAAEAAACgMgAAVgcAAKr4//8BAAAAf39/AAEAAABkAAAAAAAAABQAAABAHwAAAAAAACYAAAAAAAAAwOD//wAAAAAmAAAAZAAAABYAAABMAAAAAAAAAAAAAAAEAAAAAAAAAAEAAADn5uYKAAAAACgAAAAoAAAAZAAAAGQAAAAAAAAAzMzMAAAAAABQAAAAUAAAAGQAAABkAAAAAAAAABcAAAAUAAAAAAAAAAAAAAD/fwAA/38AAAAAAAAJAAAABAAAAOYAAAAeAAAAaAAAAAAAAAAAAAAAAAAAAAAAAAAAAAAAECcAABAnAAAAAAAAAAAAAAAAAAAAAAAAAAAAAAAAAAAAAAAAAAAAABQAAAAAAAAAwMD/AAAAAABkAAAAMgAAAAAAAABkAAAAAAAAAH9/fwAKAAAAIgAAABgAAAAAAAAAAAAAAAAAAAAAAAAAAAAAAAAAAAAkAAAAJAAAAAAAAAAHAAAAAAAAAAAAAAAAAAAAAAAAAAAAAAAAAAAAf39/ACUAAABYAAAAAAAAAAAAAAAAAAAAAAAAAAAAAAAAAAAAAAAAAAAAAAAAAAAAAAAAAAAAAAA/AAAAAAAAAKCGAQAAAAAAAAAAAAAAAAAMAAAAAQAAAAAAAAAAAAAAAAAAAB8AAABUAAAAAAAABQAAAAEAAAAAAAAAAAAAAAAAAAAAAAAAAAAAAAAAAAAAAAAAAAAAAAJ/f38AAAAAA8zMzADAwP8Af39/AAAAAAAAAAAAAAAAAAAAAAAAAAAAIQAAABgAAAAUAAAAOAQAALgaAAD4JQAACDQAABAAAAAmAAAACAAAAP////8AAAAAMAAAABQAAAAAAAAAAAD//wAAAQAAAP//AAABAA=="/>
               </a:ext>
             </a:extLst>
           </p:cNvSpPr>
@@ -1332,198 +1346,7 @@
             <a:pPr>
               <a:defRPr lang="ru-ru"/>
             </a:pPr>
-          </a:p>
-        </p:txBody>
-      </p:sp>
-    </p:spTree>
-  </p:cSld>
-  <p:clrMapOvr>
-    <a:overrideClrMapping bg1="lt1" tx1="dk1" bg2="lt2" tx2="dk2" accent1="accent1" accent2="accent2" accent3="accent3" accent4="accent4" accent5="accent5" accent6="accent6" hlink="hlink" folHlink="folHlink"/>
-  </p:clrMapOvr>
-</p:notes>
-</file>
-
-<file path=ppt/notesSlides/notesSlide6.xml><?xml version="1.0" encoding="utf-8"?>
-<p:notes xmlns:p="http://schemas.openxmlformats.org/presentationml/2006/main" xmlns:mc="http://schemas.openxmlformats.org/markup-compatibility/2006" xmlns:p14="http://schemas.microsoft.com/office/powerpoint/2010/main" xmlns:p15="http://schemas.microsoft.com/office/powerpoint/2012/main" xmlns:r="http://schemas.openxmlformats.org/officeDocument/2006/relationships" xmlns:a="http://schemas.openxmlformats.org/drawingml/2006/main" showMasterSp="0">
-  <p:cSld>
-    <p:bg>
-      <p:bgPr>
-        <a:solidFill>
-          <a:schemeClr val="bg1"/>
-        </a:solidFill>
-        <a:effectLst/>
-      </p:bgPr>
-    </p:bg>
-    <p:spTree>
-      <p:nvGrpSpPr>
-        <p:cNvPr id="1" name=""/>
-        <p:cNvGrpSpPr/>
-        <p:nvPr/>
-      </p:nvGrpSpPr>
-      <p:grpSpPr>
-        <a:xfrm>
-          <a:off x="0" y="0"/>
-          <a:ext cx="0" cy="0"/>
-          <a:chOff x="0" y="0"/>
-          <a:chExt cx="0" cy="0"/>
-        </a:xfrm>
-      </p:grpSpPr>
-      <p:sp>
-        <p:nvSpPr>
-          <p:cNvPr id="2" name="РисунокСлайда1"/>
-          <p:cNvSpPr>
-            <a:spLocks noGrp="1" noChangeArrowheads="1"/>
-            <a:extLst>
-              <a:ext uri="smNativeData">
-                <pr:smNativeData xmlns:pr="smNativeData" xmlns="smNativeData" val="SMDATA_16_xzE7ZxMAAAAlAAAAZAAAAA8BAAAAkAAAAEgAAACQAAAASAAAAAAAAAABAAAAAAAAAAEAAABQAAAAAAAAAAAA4D8AAAAAAADgPwAAAAAAAOA/AAAAAAAA4D8AAAAAAADgPwAAAAAAAOA/AAAAAAAA4D8AAAAAAADgPwAAAAAAAOA/AAAAAAAA4D8CAAAAjAAAAAEAAAAAAAAARHLEDP///wgAAAAAAAAAAAAAAAAAAAAAAAAAAAAAAAAAAAAAZAAAAAEAAABAAAAAAAAAAAAAAAAAAAAAAAAAAAAAAAAAAAAAAAAAAAAAAAAAAAAAAAAAAAAAAAAAAAAAAAAAAAAAAAAAAAAAAAAAAAAAAAAAAAAAAAAAAAAAAAAAAAAAFAAAADwAAAABAAAAAAAAAAAAAAkUAAAAAQAAABQAAAAUAAAAFAAAAAEAAAAAAAAAZAAAAGQAAAAAAAAAZAAAAGQAAAAVAAAAYAAAAAAAAAAAAAAADwAAACADAAAAAAAAAAAAAAEAAACgMgAAVgcAAKr4//8BAAAAf39/AAEAAABkAAAAAAAAABQAAABAHwAAAAAAACYAAAAAAAAAwOD//wAAAAAmAAAAZAAAABYAAABMAAAAAAAAAAAAAAAEAAAAAAAAAAEAAADn5uYKAAAAACgAAAAoAAAAZAAAAGQAAAAAAAAAzMzMAAAAAABQAAAAUAAAAGQAAABkAAAAAAAAABcAAAAUAAAAAAAAAAAAAAD/fwAA/38AAAAAAAAJAAAABAAAAAAAAAAeAAAAaAAAAAAAAAAAAAAAAAAAAAAAAAAAAAAAECcAABAnAAAAAAAAAAAAAAAAAAAAAAAAAAAAAAAAAAAAAAAAAAAAABQAAAAAAAAAwMD/AAAAAABkAAAAMgAAAAAAAABkAAAAAAAAAH9/fwAKAAAAIgAAABgAAAAAAAAAAAAAAAAAAAAAAAAAAAAAAAAAAAAkAAAAJAAAAAAAAAAHAAAAAAAAAAAAAAAAAAAAAAAAAAAAAAAAAAAAf39/ACUAAABYAAAAAAAAAAAAAAAAAAAAAAAAAAAAAAAAAAAAAAAAAAAAAAAAAAAAAAAAAAAAAAA/AAAAAAAAAKCGAQAAAAAAAAAAAAAAAAAMAAAAAQAAAAAAAAAAAAAAAAAAAB8AAABUAAAAAAAABQAAAAEAAAAAAAAAAAAAAAAAAAAAAAAAAAAAAAAAAAAAAAAAAAAAAAJ/f38AAAAAA8zMzADAwP8Af39/AAAAAAAAAAAAAAAAAAAAAAAAAAAAIQAAABgAAAAUAAAACAcAADgEAAAoIwAAUBkAABAAAAAmAAAACAAAAP////8AAAAAMAAAABQAAAAAAAAAAAD//wAAAQAAAP//AAABAA=="/>
-              </a:ext>
-            </a:extLst>
-          </p:cNvSpPr>
-          <p:nvPr>
-            <p:ph type="sldImg" idx="2"/>
-          </p:nvPr>
-        </p:nvSpPr>
-        <p:spPr>
-          <a:xfrm>
-            <a:off x="1143000" y="685800"/>
-            <a:ext cx="4572000" cy="3429000"/>
-          </a:xfrm>
-          <a:prstGeom prst="rect">
-            <a:avLst/>
-          </a:prstGeom>
-        </p:spPr>
-      </p:sp>
-      <p:sp>
-        <p:nvSpPr>
-          <p:cNvPr id="3" name="ТекстСлайда1"/>
-          <p:cNvSpPr>
-            <a:spLocks noGrp="1" noChangeArrowheads="1"/>
-            <a:extLst>
-              <a:ext uri="smNativeData">
-                <pr:smNativeData xmlns:pr="smNativeData" xmlns="smNativeData" val="SMDATA_16_xzE7ZxMAAAAlAAAAZAAAAA8BAAAAkAAAAEgAAACQAAAASAAAAAAAAAAAAAAAAAAAAAEAAABQAAAAAAAAAAAA4D8AAAAAAADgPwAAAAAAAOA/AAAAAAAA4D8AAAAAAADgPwAAAAAAAOA/AAAAAAAA4D8AAAAAAADgPwAAAAAAAOA/AAAAAAAA4D8CAAAAjAAAAAAAAAAAAAAARHLEDP///wgAAAAAAAAAAAAAAAAAAAAAAAAAAAAAAAAAAAAAZAAAAAEAAABAAAAAAAAAAAAAAAAAAAAAAAAAAAAAAAAAAAAAAAAAAAAAAAAAAAAAAAAAAAAAAAAAAAAAAAAAAAAAAAAAAAAAAAAAAAAAAAAAAAAAAAAAAAAAAAAAAAAAFAAAADwAAAAAAAAAAAAAAAAAAAkUAAAAAQAAABQAAAAUAAAAFAAAAAEAAAAAAAAAZAAAAGQAAAAAAAAAZAAAAGQAAAAVAAAAYAAAAAAAAAAAAAAADwAAACADAAAAAAAAAAAAAAEAAACgMgAAVgcAAKr4//8BAAAAf39/AAEAAABkAAAAAAAAABQAAABAHwAAAAAAACYAAAAAAAAAwOD//wAAAAAmAAAAZAAAABYAAABMAAAAAAAAAAAAAAAEAAAAAAAAAAEAAADn5uYKAAAAACgAAAAoAAAAZAAAAGQAAAAAAAAAzMzMAAAAAABQAAAAUAAAAGQAAABkAAAAAAAAABcAAAAUAAAAAAAAAAAAAAD/fwAA/38AAAAAAAAJAAAABAAAAAAAAAAeAAAAaAAAAAAAAAAAAAAAAAAAAAAAAAAAAAAAECcAABAnAAAAAAAAAAAAAAAAAAAAAAAAAAAAAAAAAAAAAAAAAAAAABQAAAAAAAAAwMD/AAAAAABkAAAAMgAAAAAAAABkAAAAAAAAAH9/fwAKAAAAIgAAABgAAAAAAAAAAAAAAAAAAAAAAAAAAAAAAAAAAAAkAAAAJAAAAAAAAAAHAAAAAAAAAAAAAAAAAAAAAAAAAAAAAAAAAAAAf39/ACUAAABYAAAAAAAAAAAAAAAAAAAAAAAAAAAAAAAAAAAAAAAAAAAAAAAAAAAAAAAAAAAAAAA/AAAAAAAAAKCGAQAAAAAAAAAAAAAAAAAMAAAAAQAAAAAAAAAAAAAAAAAAAB8AAABUAAAAAAAABQAAAAEAAAAAAAAAAAAAAAAAAAAAAAAAAAAAAAAAAAAAAAAAAAAAAAJ/f38AAAAAA8zMzADAwP8Af39/AAAAAAAAAAAAAAAAAAAAAAAAAAAAIQAAABgAAAAUAAAAOAQAALgaAAD4JQAACDQAABAAAAAmAAAACAAAAP////8AAAAAMAAAABQAAAAAAAAAAAD//wAAAQAAAP//AAABAA=="/>
-              </a:ext>
-            </a:extLst>
-          </p:cNvSpPr>
-          <p:nvPr>
-            <p:ph type="body" idx="3"/>
-          </p:nvPr>
-        </p:nvSpPr>
-        <p:spPr>
-          <a:xfrm>
-            <a:off x="685800" y="4343400"/>
-            <a:ext cx="5486400" cy="4114800"/>
-          </a:xfrm>
-          <a:prstGeom prst="rect">
-            <a:avLst/>
-          </a:prstGeom>
-        </p:spPr>
-        <p:txBody>
-          <a:bodyPr vert="horz" wrap="square" numCol="1" spcCol="215900" anchor="t">
-            <a:prstTxWarp prst="textNoShape">
-              <a:avLst/>
-            </a:prstTxWarp>
-          </a:bodyPr>
-          <a:lstStyle/>
-          <a:p>
-            <a:pPr>
-              <a:defRPr lang="ru-ru"/>
-            </a:pPr>
-          </a:p>
-        </p:txBody>
-      </p:sp>
-    </p:spTree>
-  </p:cSld>
-  <p:clrMapOvr>
-    <a:overrideClrMapping bg1="lt1" tx1="dk1" bg2="lt2" tx2="dk2" accent1="accent1" accent2="accent2" accent3="accent3" accent4="accent4" accent5="accent5" accent6="accent6" hlink="hlink" folHlink="folHlink"/>
-  </p:clrMapOvr>
-</p:notes>
-</file>
-
-<file path=ppt/notesSlides/notesSlide7.xml><?xml version="1.0" encoding="utf-8"?>
-<p:notes xmlns:p="http://schemas.openxmlformats.org/presentationml/2006/main" xmlns:mc="http://schemas.openxmlformats.org/markup-compatibility/2006" xmlns:p14="http://schemas.microsoft.com/office/powerpoint/2010/main" xmlns:p15="http://schemas.microsoft.com/office/powerpoint/2012/main" xmlns:r="http://schemas.openxmlformats.org/officeDocument/2006/relationships" xmlns:a="http://schemas.openxmlformats.org/drawingml/2006/main" showMasterSp="0">
-  <p:cSld>
-    <p:bg>
-      <p:bgPr>
-        <a:solidFill>
-          <a:schemeClr val="bg1"/>
-        </a:solidFill>
-        <a:effectLst/>
-      </p:bgPr>
-    </p:bg>
-    <p:spTree>
-      <p:nvGrpSpPr>
-        <p:cNvPr id="1" name=""/>
-        <p:cNvGrpSpPr/>
-        <p:nvPr/>
-      </p:nvGrpSpPr>
-      <p:grpSpPr>
-        <a:xfrm>
-          <a:off x="0" y="0"/>
-          <a:ext cx="0" cy="0"/>
-          <a:chOff x="0" y="0"/>
-          <a:chExt cx="0" cy="0"/>
-        </a:xfrm>
-      </p:grpSpPr>
-      <p:sp>
-        <p:nvSpPr>
-          <p:cNvPr id="2" name="РисунокСлайда1"/>
-          <p:cNvSpPr>
-            <a:spLocks noGrp="1" noChangeArrowheads="1"/>
-            <a:extLst>
-              <a:ext uri="smNativeData">
-                <pr:smNativeData xmlns:pr="smNativeData" xmlns="smNativeData" val="SMDATA_16_xzE7ZxMAAAAlAAAAZAAAAA8BAAAAkAAAAEgAAACQAAAASAAAAAAAAAABAAAAAAAAAAEAAABQAAAAAAAAAAAA4D8AAAAAAADgPwAAAAAAAOA/AAAAAAAA4D8AAAAAAADgPwAAAAAAAOA/AAAAAAAA4D8AAAAAAADgPwAAAAAAAOA/AAAAAAAA4D8CAAAAjAAAAAEAAAAAAAAARHLEDP///wgAAAAAAAAAAAAAAAAAAAAAAAAAAAAAAAAAAAAAZAAAAAEAAABAAAAAAAAAAAAAAAAAAAAAAAAAAAAAAAAAAAAAAAAAAAAAAAAAAAAAAAAAAAAAAAAAAAAAAAAAAAAAAAAAAAAAAAAAAAAAAAAAAAAAAAAAAAAAAAAAAAAAFAAAADwAAAABAAAAAAAAAAAAAAkUAAAAAQAAABQAAAAUAAAAFAAAAAEAAAAAAAAAZAAAAGQAAAAAAAAAZAAAAGQAAAAVAAAAYAAAAAAAAAAAAAAADwAAACADAAAAAAAAAAAAAAEAAACgMgAAVgcAAKr4//8BAAAAf39/AAEAAABkAAAAAAAAABQAAABAHwAAAAAAACYAAAAAAAAAwOD//wAAAAAmAAAAZAAAABYAAABMAAAAAAAAAAAAAAAEAAAAAAAAAAEAAADn5uYKAAAAACgAAAAoAAAAZAAAAGQAAAAAAAAAzMzMAAAAAABQAAAAUAAAAGQAAABkAAAAAAAAABcAAAAUAAAAAAAAAAAAAAD/fwAA/38AAAAAAAAJAAAABAAAAIgAAAAeAAAAaAAAAAAAAAAAAAAAAAAAAAAAAAAAAAAAECcAABAnAAAAAAAAAAAAAAAAAAAAAAAAAAAAAAAAAAAAAAAAAAAAABQAAAAAAAAAwMD/AAAAAABkAAAAMgAAAAAAAABkAAAAAAAAAH9/fwAKAAAAIgAAABgAAAAAAAAAAAAAAAAAAAAAAAAAAAAAAAAAAAAkAAAAJAAAAAAAAAAHAAAAAAAAAAAAAAAAAAAAAAAAAAAAAAAAAAAAf39/ACUAAABYAAAAAAAAAAAAAAAAAAAAAAAAAAAAAAAAAAAAAAAAAAAAAAAAAAAAAAAAAAAAAAA/AAAAAAAAAKCGAQAAAAAAAAAAAAAAAAAMAAAAAQAAAAAAAAAAAAAAAAAAAB8AAABUAAAAAAAABQAAAAEAAAAAAAAAAAAAAAAAAAAAAAAAAAAAAAAAAAAAAAAAAAAAAAJ/f38AAAAAA8zMzADAwP8Af39/AAAAAAAAAAAAAAAAAAAAAAAAAAAAIQAAABgAAAAUAAAACAcAADgEAAAoIwAAUBkAABAAAAAmAAAACAAAAP////8AAAAAMAAAABQAAAAAAAAAAAD//wAAAQAAAP//AAABAA=="/>
-              </a:ext>
-            </a:extLst>
-          </p:cNvSpPr>
-          <p:nvPr>
-            <p:ph type="sldImg" idx="2"/>
-          </p:nvPr>
-        </p:nvSpPr>
-        <p:spPr>
-          <a:xfrm>
-            <a:off x="1143000" y="685800"/>
-            <a:ext cx="4572000" cy="3429000"/>
-          </a:xfrm>
-          <a:prstGeom prst="rect">
-            <a:avLst/>
-          </a:prstGeom>
-        </p:spPr>
-      </p:sp>
-      <p:sp>
-        <p:nvSpPr>
-          <p:cNvPr id="3" name="ТекстСлайда1"/>
-          <p:cNvSpPr>
-            <a:spLocks noGrp="1" noChangeArrowheads="1"/>
-            <a:extLst>
-              <a:ext uri="smNativeData">
-                <pr:smNativeData xmlns:pr="smNativeData" xmlns="smNativeData" val="SMDATA_16_xzE7ZxMAAAAlAAAAZAAAAA8BAAAAkAAAAEgAAACQAAAASAAAAAAAAAAAAAAAAAAAAAEAAABQAAAAAAAAAAAA4D8AAAAAAADgPwAAAAAAAOA/AAAAAAAA4D8AAAAAAADgPwAAAAAAAOA/AAAAAAAA4D8AAAAAAADgPwAAAAAAAOA/AAAAAAAA4D8CAAAAjAAAAAAAAAAAAAAARHLEDP///wgAAAAAAAAAAAAAAAAAAAAAAAAAAAAAAAAAAAAAZAAAAAEAAABAAAAAAAAAAAAAAAAAAAAAAAAAAAAAAAAAAAAAAAAAAAAAAAAAAAAAAAAAAAAAAAAAAAAAAAAAAAAAAAAAAAAAAAAAAAAAAAAAAAAAAAAAAAAAAAAAAAAAFAAAADwAAAAAAAAAAAAAAAAAAAkUAAAAAQAAABQAAAAUAAAAFAAAAAEAAAAAAAAAZAAAAGQAAAAAAAAAZAAAAGQAAAAVAAAAYAAAAAAAAAAAAAAADwAAACADAAAAAAAAAAAAAAEAAACgMgAAVgcAAKr4//8BAAAAf39/AAEAAABkAAAAAAAAABQAAABAHwAAAAAAACYAAAAAAAAAwOD//wAAAAAmAAAAZAAAABYAAABMAAAAAAAAAAAAAAAEAAAAAAAAAAEAAADn5uYKAAAAACgAAAAoAAAAZAAAAGQAAAAAAAAAzMzMAAAAAABQAAAAUAAAAGQAAABkAAAAAAAAABcAAAAUAAAAAAAAAAAAAAD/fwAA/38AAAAAAAAJAAAABAAAAOYAAAAeAAAAaAAAAAAAAAAAAAAAAAAAAAAAAAAAAAAAECcAABAnAAAAAAAAAAAAAAAAAAAAAAAAAAAAAAAAAAAAAAAAAAAAABQAAAAAAAAAwMD/AAAAAABkAAAAMgAAAAAAAABkAAAAAAAAAH9/fwAKAAAAIgAAABgAAAAAAAAAAAAAAAAAAAAAAAAAAAAAAAAAAAAkAAAAJAAAAAAAAAAHAAAAAAAAAAAAAAAAAAAAAAAAAAAAAAAAAAAAf39/ACUAAABYAAAAAAAAAAAAAAAAAAAAAAAAAAAAAAAAAAAAAAAAAAAAAAAAAAAAAAAAAAAAAAA/AAAAAAAAAKCGAQAAAAAAAAAAAAAAAAAMAAAAAQAAAAAAAAAAAAAAAAAAAB8AAABUAAAAAAAABQAAAAEAAAAAAAAAAAAAAAAAAAAAAAAAAAAAAAAAAAAAAAAAAAAAAAJ/f38AAAAAA8zMzADAwP8Af39/AAAAAAAAAAAAAAAAAAAAAAAAAAAAIQAAABgAAAAUAAAAOAQAALgaAAD4JQAACDQAABAAAAAmAAAACAAAAP////8AAAAAMAAAABQAAAAAAAAAAAD//wAAAQAAAP//AAABAA=="/>
-              </a:ext>
-            </a:extLst>
-          </p:cNvSpPr>
-          <p:nvPr>
-            <p:ph type="body" idx="3"/>
-          </p:nvPr>
-        </p:nvSpPr>
-        <p:spPr>
-          <a:xfrm>
-            <a:off x="685800" y="4343400"/>
-            <a:ext cx="5486400" cy="4114800"/>
-          </a:xfrm>
-          <a:prstGeom prst="rect">
-            <a:avLst/>
-          </a:prstGeom>
-        </p:spPr>
-        <p:txBody>
-          <a:bodyPr vert="horz" wrap="square" numCol="1" spcCol="215900" anchor="t">
-            <a:prstTxWarp prst="textNoShape">
-              <a:avLst/>
-            </a:prstTxWarp>
-          </a:bodyPr>
-          <a:lstStyle/>
-          <a:p>
-            <a:pPr>
-              <a:defRPr lang="ru-ru"/>
-            </a:pPr>
+            <a:endParaRPr/>
           </a:p>
         </p:txBody>
       </p:sp>
@@ -1536,7 +1359,7 @@
 </file>
 
 <file path=ppt/slideLayouts/slideLayout1.xml><?xml version="1.0" encoding="utf-8"?>
-<p:sldLayout xmlns:p="http://schemas.openxmlformats.org/presentationml/2006/main" xmlns:mc="http://schemas.openxmlformats.org/markup-compatibility/2006" xmlns:p14="http://schemas.microsoft.com/office/powerpoint/2010/main" xmlns:p15="http://schemas.microsoft.com/office/powerpoint/2012/main" xmlns:r="http://schemas.openxmlformats.org/officeDocument/2006/relationships" xmlns:a="http://schemas.openxmlformats.org/drawingml/2006/main" type="title" preserve="1">
+<p:sldLayout xmlns:a="http://schemas.openxmlformats.org/drawingml/2006/main" xmlns:r="http://schemas.openxmlformats.org/officeDocument/2006/relationships" xmlns:p="http://schemas.openxmlformats.org/presentationml/2006/main" type="title" preserve="1">
   <p:cSld name="Титульный слайд">
     <p:spTree>
       <p:nvGrpSpPr>
@@ -1559,7 +1382,7 @@
             <a:spLocks noGrp="1" noChangeArrowheads="1"/>
             <a:extLst>
               <a:ext uri="smNativeData">
-                <pr:smNativeData xmlns:pr="smNativeData" xmlns="smNativeData" val="SMDATA_16_xzE7ZxMAAAAlAAAAZAAAAA0AAAAAkAAAAEgAAACQAAAASAAAAAAAAAACAAAAAAAAAAEAAABQAAAAAAAAAAAA4D8AAAAAAADgPwAAAAAAAOA/AAAAAAAA4D8AAAAAAADgPwAAAAAAAOA/AAAAAAAA4D8AAAAAAADgPwAAAAAAAOA/AAAAAAAA4D8CAAAAjAAAAAAAAAAAAAAARHLEDP///wgAAAAAAAAAAAAAAAAAAAAAAAAAAAAAAAAAAAAAZAAAAAEAAABAAAAAAAAAAAAAAAAAAAAAAAAAAAAAAAAAAAAAAAAAAAAAAAAAAAAAAAAAAAAAAAAAAAAAAAAAAAAAAAAAAAAAAAAAAAAAAAAAAAAAAAAAAAAAAAAAAAAAFAAAADwAAAAAAAAAAAAAAAAAAAkUAAAAAQAAABQAAAAUAAAAFAAAAAEAAAAAAAAAZAAAAGQAAAAAAAAAZAAAAGQAAAAVAAAAYAAAAAAAAAAAAAAADwAAACADAAAAAAAAAAAAAAEAAACgMgAAVgcAAKr4//8BAAAAf39/AAEAAABkAAAAAAAAABQAAABAHwAAAAAAACYAAAAAAAAAwOD//wAAAAAmAAAAZAAAABYAAABMAAAAAAAAAAAAAAAEAAAAAAAAAAEAAADn5uYKAAAAACgAAAAoAAAAZAAAAGQAAAAAAAAAzMzMAAAAAABQAAAAUAAAAGQAAABkAAAAAAAAABcAAAAUAAAAAAAAAAAAAAD/fwAA/38AAAAAAAAJAAAABAAAAAAAAAAeAAAAaAAAAAAAAAAAAAAAAAAAAAAAAAAAAAAAECcAABAnAAAAAAAAAAAAAAAAAAAAAAAAAAAAAAAAAAAAAAAAAAAAABQAAAAAAAAAwMD/AAAAAABkAAAAMgAAAAAAAABkAAAAAAAAAH9/fwAKAAAAIgAAABgAAAAAAAAAAAAAAAAAAAAAAAAAAAAAAAAAAAAkAAAAJAAAAAAAAAAHAAAAAAAAAAAAAAAAAAAAAAAAAAAAAAAAAAAAf39/ACUAAABYAAAAAAAAAAAAAAAAAAAAAAAAAAAAAAAAAAAAAAAAAAAAAAAAAAAAAAAAAAAAAAA/AAAAAAAAAKCGAQAAAAAAAAAAAAAAAAAMAAAAAQAAAAAAAAAAAAAAAAAAAB8AAABUAAAAAAAABQAAAAEAAAAAAAAAAAAAAAAAAAAAAAAAAAAAAAAAAAAAAAAAAAAAAAJ/f38AAAAAA8zMzADAwP8Af39/AAAAAAAAAAAAAAAAAAAAAAAAAAAAIQAAABgAAAAUAAAAYAkAAOgGAACgQQAAmBUAABAAAAAmAAAACAAAAIGAAAAAAAAAMAAAABQAAAAAAAAAAAD//wAAAQAAAP//AAABAA=="/>
+                <pr:smNativeData xmlns:mc="http://schemas.openxmlformats.org/markup-compatibility/2006" xmlns:p14="http://schemas.microsoft.com/office/powerpoint/2010/main" xmlns:p15="http://schemas.microsoft.com/office/powerpoint/2012/main" xmlns:pr="smNativeData" xmlns="smNativeData" val="SMDATA_16_xzE7ZxMAAAAlAAAAZAAAAA0AAAAAkAAAAEgAAACQAAAASAAAAAAAAAACAAAAAAAAAAEAAABQAAAAAAAAAAAA4D8AAAAAAADgPwAAAAAAAOA/AAAAAAAA4D8AAAAAAADgPwAAAAAAAOA/AAAAAAAA4D8AAAAAAADgPwAAAAAAAOA/AAAAAAAA4D8CAAAAjAAAAAAAAAAAAAAARHLEDP///wgAAAAAAAAAAAAAAAAAAAAAAAAAAAAAAAAAAAAAZAAAAAEAAABAAAAAAAAAAAAAAAAAAAAAAAAAAAAAAAAAAAAAAAAAAAAAAAAAAAAAAAAAAAAAAAAAAAAAAAAAAAAAAAAAAAAAAAAAAAAAAAAAAAAAAAAAAAAAAAAAAAAAFAAAADwAAAAAAAAAAAAAAAAAAAkUAAAAAQAAABQAAAAUAAAAFAAAAAEAAAAAAAAAZAAAAGQAAAAAAAAAZAAAAGQAAAAVAAAAYAAAAAAAAAAAAAAADwAAACADAAAAAAAAAAAAAAEAAACgMgAAVgcAAKr4//8BAAAAf39/AAEAAABkAAAAAAAAABQAAABAHwAAAAAAACYAAAAAAAAAwOD//wAAAAAmAAAAZAAAABYAAABMAAAAAAAAAAAAAAAEAAAAAAAAAAEAAADn5uYKAAAAACgAAAAoAAAAZAAAAGQAAAAAAAAAzMzMAAAAAABQAAAAUAAAAGQAAABkAAAAAAAAABcAAAAUAAAAAAAAAAAAAAD/fwAA/38AAAAAAAAJAAAABAAAAAAAAAAeAAAAaAAAAAAAAAAAAAAAAAAAAAAAAAAAAAAAECcAABAnAAAAAAAAAAAAAAAAAAAAAAAAAAAAAAAAAAAAAAAAAAAAABQAAAAAAAAAwMD/AAAAAABkAAAAMgAAAAAAAABkAAAAAAAAAH9/fwAKAAAAIgAAABgAAAAAAAAAAAAAAAAAAAAAAAAAAAAAAAAAAAAkAAAAJAAAAAAAAAAHAAAAAAAAAAAAAAAAAAAAAAAAAAAAAAAAAAAAf39/ACUAAABYAAAAAAAAAAAAAAAAAAAAAAAAAAAAAAAAAAAAAAAAAAAAAAAAAAAAAAAAAAAAAAA/AAAAAAAAAKCGAQAAAAAAAAAAAAAAAAAMAAAAAQAAAAAAAAAAAAAAAAAAAB8AAABUAAAAAAAABQAAAAEAAAAAAAAAAAAAAAAAAAAAAAAAAAAAAAAAAAAAAAAAAAAAAAJ/f38AAAAAA8zMzADAwP8Af39/AAAAAAAAAAAAAAAAAAAAAAAAAAAAIQAAABgAAAAUAAAAYAkAAOgGAACgQQAAmBUAABAAAAAmAAAACAAAAIGAAAAAAAAAMAAAABQAAAAAAAAAAAD//wAAAQAAAP//AAABAA=="/>
               </a:ext>
             </a:extLst>
           </p:cNvSpPr>
@@ -1625,7 +1448,7 @@
             <a:spLocks noGrp="1" noChangeArrowheads="1"/>
             <a:extLst>
               <a:ext uri="smNativeData">
-                <pr:smNativeData xmlns:pr="smNativeData" xmlns="smNativeData" val="SMDATA_16_xzE7ZxMAAAAlAAAAZAAAAA0AAAAAkAAAAEgAAACQAAAASAAAAAAAAAAAAAAAAAAAAAEAAABQAAAAAAAAAAAA4D8AAAAAAADgPwAAAAAAAOA/AAAAAAAA4D8AAAAAAADgPwAAAAAAAOA/AAAAAAAA4D8AAAAAAADgPwAAAAAAAOA/AAAAAAAA4D8CAAAAjAAAAAAAAAAAAAAARHLEDP///wgAAAAAAAAAAAAAAAAAAAAAAAAAAAAAAAAAAAAAZAAAAAEAAABAAAAAAAAAAAAAAAAAAAAAAAAAAAAAAAAAAAAAAAAAAAAAAAAAAAAAAAAAAAAAAAAAAAAAAAAAAAAAAAAAAAAAAAAAAAAAAAAAAAAAAAAAAAAAAAAAAAAAFAAAADwAAAAAAAAAAAAAAAAAAAkUAAAAAQAAABQAAAAUAAAAFAAAAAEAAAAAAAAAZAAAAGQAAAAAAAAAZAAAAGQAAAAVAAAAYAAAAAAAAAAAAAAADwAAACADAAAAAAAAAAAAAAEAAACgMgAAVgcAAKr4//8BAAAAf39/AAEAAABkAAAAAAAAABQAAABAHwAAAAAAACYAAAAAAAAAwOD//wAAAAAmAAAAZAAAABYAAABMAAAAAAAAAAAAAAAEAAAAAAAAAAEAAADn5uYKAAAAACgAAAAoAAAAZAAAAGQAAAAAAAAAzMzMAAAAAABQAAAAUAAAAGQAAABkAAAAAAAAABcAAAAUAAAAAAAAAAAAAAD/fwAA/38AAAAAAAAJAAAABAAAAHiYZxAeAAAAaAAAAAAAAAAAAAAAAAAAAAAAAAAAAAAAECcAABAnAAAAAAAAAAAAAAAAAAAAAAAAAAAAAAAAAAAAAAAAAAAAABQAAAAAAAAAwMD/AAAAAABkAAAAMgAAAAAAAABkAAAAAAAAAH9/fwAKAAAAIgAAABgAAAAAAAAAAAAAAAAAAAAAAAAAAAAAAAAAAAAkAAAAJAAAAAAAAAAHAAAAAAAAAAAAAAAAAAAAAAAAAAAAAAAAAAAAf39/ACUAAABYAAAAAAAAAAAAAAAAAAAAAAAAAAAAAAAAAAAAAAAAAAAAAAAAAAAAAAAAAAAAAAA/AAAAAAAAAKCGAQAAAAAAAAAAAAAAAAAMAAAAAQAAAAAAAAAAAAAAAAAAAB8AAABUAAAAAAAABQAAAAEAAAAAAAAAAAAAAAAAAAAAAAAAAAAAAAAAAAAAAAAAAAAAAAJ/f38AAAAAA8zMzADAwP8Af39/AAAAAAAAAAAAAAAAAAAAAAAAAAAAIQAAABgAAAAUAAAAYAkAACkWAACgQQAAWCAAABAAAAAmAAAACAAAAAGAAAAAAAAAMAAAABQAAAAAAAAAAAD//wAAAQAAAP//AAABAA=="/>
+                <pr:smNativeData xmlns:mc="http://schemas.openxmlformats.org/markup-compatibility/2006" xmlns:p14="http://schemas.microsoft.com/office/powerpoint/2010/main" xmlns:p15="http://schemas.microsoft.com/office/powerpoint/2012/main" xmlns:pr="smNativeData" xmlns="smNativeData" val="SMDATA_16_xzE7ZxMAAAAlAAAAZAAAAA0AAAAAkAAAAEgAAACQAAAASAAAAAAAAAAAAAAAAAAAAAEAAABQAAAAAAAAAAAA4D8AAAAAAADgPwAAAAAAAOA/AAAAAAAA4D8AAAAAAADgPwAAAAAAAOA/AAAAAAAA4D8AAAAAAADgPwAAAAAAAOA/AAAAAAAA4D8CAAAAjAAAAAAAAAAAAAAARHLEDP///wgAAAAAAAAAAAAAAAAAAAAAAAAAAAAAAAAAAAAAZAAAAAEAAABAAAAAAAAAAAAAAAAAAAAAAAAAAAAAAAAAAAAAAAAAAAAAAAAAAAAAAAAAAAAAAAAAAAAAAAAAAAAAAAAAAAAAAAAAAAAAAAAAAAAAAAAAAAAAAAAAAAAAFAAAADwAAAAAAAAAAAAAAAAAAAkUAAAAAQAAABQAAAAUAAAAFAAAAAEAAAAAAAAAZAAAAGQAAAAAAAAAZAAAAGQAAAAVAAAAYAAAAAAAAAAAAAAADwAAACADAAAAAAAAAAAAAAEAAACgMgAAVgcAAKr4//8BAAAAf39/AAEAAABkAAAAAAAAABQAAABAHwAAAAAAACYAAAAAAAAAwOD//wAAAAAmAAAAZAAAABYAAABMAAAAAAAAAAAAAAAEAAAAAAAAAAEAAADn5uYKAAAAACgAAAAoAAAAZAAAAGQAAAAAAAAAzMzMAAAAAABQAAAAUAAAAGQAAABkAAAAAAAAABcAAAAUAAAAAAAAAAAAAAD/fwAA/38AAAAAAAAJAAAABAAAAHiYZxAeAAAAaAAAAAAAAAAAAAAAAAAAAAAAAAAAAAAAECcAABAnAAAAAAAAAAAAAAAAAAAAAAAAAAAAAAAAAAAAAAAAAAAAABQAAAAAAAAAwMD/AAAAAABkAAAAMgAAAAAAAABkAAAAAAAAAH9/fwAKAAAAIgAAABgAAAAAAAAAAAAAAAAAAAAAAAAAAAAAAAAAAAAkAAAAJAAAAAAAAAAHAAAAAAAAAAAAAAAAAAAAAAAAAAAAAAAAAAAAf39/ACUAAABYAAAAAAAAAAAAAAAAAAAAAAAAAAAAAAAAAAAAAAAAAAAAAAAAAAAAAAAAAAAAAAA/AAAAAAAAAKCGAQAAAAAAAAAAAAAAAAAMAAAAAQAAAAAAAAAAAAAAAAAAAB8AAABUAAAAAAAABQAAAAEAAAAAAAAAAAAAAAAAAAAAAAAAAAAAAAAAAAAAAAAAAAAAAAJ/f38AAAAAA8zMzADAwP8Af39/AAAAAAAAAAAAAAAAAAAAAAAAAAAAIQAAABgAAAAUAAAAYAkAACkWAACgQQAAWCAAABAAAAAmAAAACAAAAAGAAAAAAAAAMAAAABQAAAAAAAAAAAD//wAAAQAAAP//AAABAA=="/>
               </a:ext>
             </a:extLst>
           </p:cNvSpPr>
@@ -1696,7 +1519,7 @@
             <a:spLocks noGrp="1" noChangeArrowheads="1"/>
             <a:extLst>
               <a:ext uri="smNativeData">
-                <pr:smNativeData xmlns:pr="smNativeData" xmlns="smNativeData" val="SMDATA_16_xzE7ZxMAAAAlAAAAZAAAAA0AAAAAkAAAAEgAAACQAAAASAAAAAAAAAABAAAAAAAAAAEAAABQAAAAAAAAAAAA4D8AAAAAAADgPwAAAAAAAOA/AAAAAAAA4D8AAAAAAADgPwAAAAAAAOA/AAAAAAAA4D8AAAAAAADgPwAAAAAAAOA/AAAAAAAA4D8CAAAAjAAAAAAAAAAAAAAARHLEDP///wgAAAAAAAAAAAAAAAAAAAAAAAAAAAAAAAAAAAAAZAAAAAEAAABAAAAAAAAAAAAAAAAAAAAAAAAAAAAAAAAAAAAAAAAAAAAAAAAAAAAAAAAAAAAAAAAAAAAAAAAAAAAAAAAAAAAAAAAAAAAAAAAAAAAAAAAAAAAAAAAAAAAAFAAAADwAAAAAAAAAAAAAAAAAAAkUAAAAAQAAABQAAAAUAAAAFAAAAAEAAAAAAAAAZAAAAGQAAAAAAAAAZAAAAGQAAAAVAAAAYAAAAAAAAAAAAAAADwAAACADAAAAAAAAAAAAAAEAAACgMgAAVgcAAKr4//8BAAAAf39/AAEAAABkAAAAAAAAABQAAABAHwAAAAAAACYAAAAAAAAAwOD//wAAAAAmAAAAZAAAABYAAABMAAAAAAAAAAAAAAAEAAAAAAAAAAEAAADn5uYKAAAAACgAAAAoAAAAZAAAAGQAAAAAAAAAzMzMAAAAAABQAAAAUAAAAGQAAABkAAAAAAAAABcAAAAUAAAAAAAAAAAAAAD/fwAA/38AAAAAAAAJAAAABAAAAAAAAAAeAAAAaAAAAAAAAAAAAAAAAAAAAAAAAAAAAAAAECcAABAnAAAAAAAAAAAAAAAAAAAAAAAAAAAAAAAAAAAAAAAAAAAAABQAAAAAAAAAwMD/AAAAAABkAAAAMgAAAAAAAABkAAAAAAAAAH9/fwAKAAAAIgAAABgAAAAAAAAAAAAAAAAAAAAAAAAAAAAAAAAAAAAkAAAAJAAAAAAAAAAHAAAAAAAAAAAAAAAAAAAAAAAAAAAAAAAAAAAAf39/ACUAAABYAAAAAAAAAAAAAAAAAAAAAAAAAAAAAAAAAAAAAAAAAAAAAAAAAAAAAAAAAAAAAAA/AAAAAAAAAKCGAQAAAAAAAAAAAAAAAAAMAAAAAQAAAAAAAAAAAAAAAAAAAB8AAABUAAAAAAAABQAAAAEAAAAAAAAAAAAAAAAAAAAAAAAAAAAAAAAAAAAAAAAAAAAAAAJ/f38AAAAAA8zMzADAwP8Af39/AAAAAAAAAAAAAAAAAAAAAAAAAAAAIQAAABgAAAAUAAAAKAUAABonAAAIFgAAWSkAABAAAAAmAAAACAAAAAAAAAAAAAAAMAAAABQAAAAAAAAAAAD//wAAAQAAAP//AAABAA=="/>
+                <pr:smNativeData xmlns:mc="http://schemas.openxmlformats.org/markup-compatibility/2006" xmlns:p14="http://schemas.microsoft.com/office/powerpoint/2010/main" xmlns:p15="http://schemas.microsoft.com/office/powerpoint/2012/main" xmlns:pr="smNativeData" xmlns="smNativeData" val="SMDATA_16_xzE7ZxMAAAAlAAAAZAAAAA0AAAAAkAAAAEgAAACQAAAASAAAAAAAAAABAAAAAAAAAAEAAABQAAAAAAAAAAAA4D8AAAAAAADgPwAAAAAAAOA/AAAAAAAA4D8AAAAAAADgPwAAAAAAAOA/AAAAAAAA4D8AAAAAAADgPwAAAAAAAOA/AAAAAAAA4D8CAAAAjAAAAAAAAAAAAAAARHLEDP///wgAAAAAAAAAAAAAAAAAAAAAAAAAAAAAAAAAAAAAZAAAAAEAAABAAAAAAAAAAAAAAAAAAAAAAAAAAAAAAAAAAAAAAAAAAAAAAAAAAAAAAAAAAAAAAAAAAAAAAAAAAAAAAAAAAAAAAAAAAAAAAAAAAAAAAAAAAAAAAAAAAAAAFAAAADwAAAAAAAAAAAAAAAAAAAkUAAAAAQAAABQAAAAUAAAAFAAAAAEAAAAAAAAAZAAAAGQAAAAAAAAAZAAAAGQAAAAVAAAAYAAAAAAAAAAAAAAADwAAACADAAAAAAAAAAAAAAEAAACgMgAAVgcAAKr4//8BAAAAf39/AAEAAABkAAAAAAAAABQAAABAHwAAAAAAACYAAAAAAAAAwOD//wAAAAAmAAAAZAAAABYAAABMAAAAAAAAAAAAAAAEAAAAAAAAAAEAAADn5uYKAAAAACgAAAAoAAAAZAAAAGQAAAAAAAAAzMzMAAAAAABQAAAAUAAAAGQAAABkAAAAAAAAABcAAAAUAAAAAAAAAAAAAAD/fwAA/38AAAAAAAAJAAAABAAAAAAAAAAeAAAAaAAAAAAAAAAAAAAAAAAAAAAAAAAAAAAAECcAABAnAAAAAAAAAAAAAAAAAAAAAAAAAAAAAAAAAAAAAAAAAAAAABQAAAAAAAAAwMD/AAAAAABkAAAAMgAAAAAAAABkAAAAAAAAAH9/fwAKAAAAIgAAABgAAAAAAAAAAAAAAAAAAAAAAAAAAAAAAAAAAAAkAAAAJAAAAAAAAAAHAAAAAAAAAAAAAAAAAAAAAAAAAAAAAAAAAAAAf39/ACUAAABYAAAAAAAAAAAAAAAAAAAAAAAAAAAAAAAAAAAAAAAAAAAAAAAAAAAAAAAAAAAAAAA/AAAAAAAAAKCGAQAAAAAAAAAAAAAAAAAMAAAAAQAAAAAAAAAAAAAAAAAAAB8AAABUAAAAAAAABQAAAAEAAAAAAAAAAAAAAAAAAAAAAAAAAAAAAAAAAAAAAAAAAAAAAAJ/f38AAAAAA8zMzADAwP8Af39/AAAAAAAAAAAAAAAAAAAAAAAAAAAAIQAAABgAAAAUAAAAKAUAABonAAAIFgAAWSkAABAAAAAmAAAACAAAAAAAAAAAAAAAMAAAABQAAAAAAAAAAAD//wAAAQAAAP//AAABAA=="/>
               </a:ext>
             </a:extLst>
           </p:cNvSpPr>
@@ -1713,8 +1536,9 @@
               <a:defRPr lang="ru-ru"/>
             </a:pPr>
             <a:fld id="{3BC5B6D6-98D6-9040-987D-6E15F8336E3B}" type="datetime1">
-              <a:t/>
+              <a:t>20.11.2024</a:t>
             </a:fld>
+            <a:endParaRPr/>
           </a:p>
         </p:txBody>
       </p:sp>
@@ -1725,7 +1549,7 @@
             <a:spLocks noGrp="1" noChangeArrowheads="1"/>
             <a:extLst>
               <a:ext uri="smNativeData">
-                <pr:smNativeData xmlns:pr="smNativeData" xmlns="smNativeData" val="SMDATA_16_xzE7ZxMAAAAlAAAAZAAAAA0AAAAAkAAAAEgAAACQAAAASAAAAAAAAAABAAAAAAAAAAEAAABQAAAAAAAAAAAA4D8AAAAAAADgPwAAAAAAAOA/AAAAAAAA4D8AAAAAAADgPwAAAAAAAOA/AAAAAAAA4D8AAAAAAADgPwAAAAAAAOA/AAAAAAAA4D8CAAAAjAAAAAAAAAAAAAAARHLEDP///wgAAAAAAAAAAAAAAAAAAAAAAAAAAAAAAAAAAAAAZAAAAAEAAABAAAAAAAAAAAAAAAAAAAAAAAAAAAAAAAAAAAAAAAAAAAAAAAAAAAAAAAAAAAAAAAAAAAAAAAAAAAAAAAAAAAAAAAAAAAAAAAAAAAAAAAAAAAAAAAAAAAAAFAAAADwAAAAAAAAAAAAAAAAAAAkUAAAAAQAAABQAAAAUAAAAFAAAAAEAAAAAAAAAZAAAAGQAAAAAAAAAZAAAAGQAAAAVAAAAYAAAAAAAAAAAAAAADwAAACADAAAAAAAAAAAAAAEAAACgMgAAVgcAAKr4//8BAAAAf39/AAEAAABkAAAAAAAAABQAAABAHwAAAAAAACYAAAAAAAAAwOD//wAAAAAmAAAAZAAAABYAAABMAAAAAAAAAAAAAAAEAAAAAAAAAAEAAADn5uYKAAAAACgAAAAoAAAAZAAAAGQAAAAAAAAAzMzMAAAAAABQAAAAUAAAAGQAAABkAAAAAAAAABcAAAAUAAAAAAAAAAAAAAD/fwAA/38AAAAAAAAJAAAABAAAAGwAZQAeAAAAaAAAAAAAAAAAAAAAAAAAAAAAAAAAAAAAECcAABAnAAAAAAAAAAAAAAAAAAAAAAAAAAAAAAAAAAAAAAAAAAAAABQAAAAAAAAAwMD/AAAAAABkAAAAMgAAAAAAAABkAAAAAAAAAH9/fwAKAAAAIgAAABgAAAAAAAAAAAAAAAAAAAAAAAAAAAAAAAAAAAAkAAAAJAAAAAAAAAAHAAAAAAAAAAAAAAAAAAAAAAAAAAAAAAAAAAAAf39/ACUAAABYAAAAAAAAAAAAAAAAAAAAAAAAAAAAAAAAAAAAAAAAAAAAAAAAAAAAAAAAAAAAAAA/AAAAAAAAAKCGAQAAAAAAAAAAAAAAAAAMAAAAAQAAAAAAAAAAAAAAAAAAAB8AAABUAAAAAAAABQAAAAEAAAAAAAAAAAAAAAAAAAAAAAAAAAAAAAAAAAAAAAAAAAAAAAJ/f38AAAAAA8zMzADAwP8Af39/AAAAAAAAAAAAAAAAAAAAAAAAAAAAIQAAABgAAAAUAAAA2BgAABonAAAoMgAAWSkAABAAAAAmAAAACAAAAAAAAAAAAAAAMAAAABQAAAAAAAAAAAD//wAAAQAAAP//AAABAA=="/>
+                <pr:smNativeData xmlns:mc="http://schemas.openxmlformats.org/markup-compatibility/2006" xmlns:p14="http://schemas.microsoft.com/office/powerpoint/2010/main" xmlns:p15="http://schemas.microsoft.com/office/powerpoint/2012/main" xmlns:pr="smNativeData" xmlns="smNativeData" val="SMDATA_16_xzE7ZxMAAAAlAAAAZAAAAA0AAAAAkAAAAEgAAACQAAAASAAAAAAAAAABAAAAAAAAAAEAAABQAAAAAAAAAAAA4D8AAAAAAADgPwAAAAAAAOA/AAAAAAAA4D8AAAAAAADgPwAAAAAAAOA/AAAAAAAA4D8AAAAAAADgPwAAAAAAAOA/AAAAAAAA4D8CAAAAjAAAAAAAAAAAAAAARHLEDP///wgAAAAAAAAAAAAAAAAAAAAAAAAAAAAAAAAAAAAAZAAAAAEAAABAAAAAAAAAAAAAAAAAAAAAAAAAAAAAAAAAAAAAAAAAAAAAAAAAAAAAAAAAAAAAAAAAAAAAAAAAAAAAAAAAAAAAAAAAAAAAAAAAAAAAAAAAAAAAAAAAAAAAFAAAADwAAAAAAAAAAAAAAAAAAAkUAAAAAQAAABQAAAAUAAAAFAAAAAEAAAAAAAAAZAAAAGQAAAAAAAAAZAAAAGQAAAAVAAAAYAAAAAAAAAAAAAAADwAAACADAAAAAAAAAAAAAAEAAACgMgAAVgcAAKr4//8BAAAAf39/AAEAAABkAAAAAAAAABQAAABAHwAAAAAAACYAAAAAAAAAwOD//wAAAAAmAAAAZAAAABYAAABMAAAAAAAAAAAAAAAEAAAAAAAAAAEAAADn5uYKAAAAACgAAAAoAAAAZAAAAGQAAAAAAAAAzMzMAAAAAABQAAAAUAAAAGQAAABkAAAAAAAAABcAAAAUAAAAAAAAAAAAAAD/fwAA/38AAAAAAAAJAAAABAAAAGwAZQAeAAAAaAAAAAAAAAAAAAAAAAAAAAAAAAAAAAAAECcAABAnAAAAAAAAAAAAAAAAAAAAAAAAAAAAAAAAAAAAAAAAAAAAABQAAAAAAAAAwMD/AAAAAABkAAAAMgAAAAAAAABkAAAAAAAAAH9/fwAKAAAAIgAAABgAAAAAAAAAAAAAAAAAAAAAAAAAAAAAAAAAAAAkAAAAJAAAAAAAAAAHAAAAAAAAAAAAAAAAAAAAAAAAAAAAAAAAAAAAf39/ACUAAABYAAAAAAAAAAAAAAAAAAAAAAAAAAAAAAAAAAAAAAAAAAAAAAAAAAAAAAAAAAAAAAA/AAAAAAAAAKCGAQAAAAAAAAAAAAAAAAAMAAAAAQAAAAAAAAAAAAAAAAAAAB8AAABUAAAAAAAABQAAAAEAAAAAAAAAAAAAAAAAAAAAAAAAAAAAAAAAAAAAAAAAAAAAAAJ/f38AAAAAA8zMzADAwP8Af39/AAAAAAAAAAAAAAAAAAAAAAAAAAAAIQAAABgAAAAUAAAA2BgAABonAAAoMgAAWSkAABAAAAAmAAAACAAAAAAAAAAAAAAAMAAAABQAAAAAAAAAAAD//wAAAQAAAP//AAABAA=="/>
               </a:ext>
             </a:extLst>
           </p:cNvSpPr>
@@ -1741,6 +1565,7 @@
             <a:pPr>
               <a:defRPr lang="ru-ru"/>
             </a:pPr>
+            <a:endParaRPr/>
           </a:p>
         </p:txBody>
       </p:sp>
@@ -1751,7 +1576,7 @@
             <a:spLocks noGrp="1" noChangeArrowheads="1"/>
             <a:extLst>
               <a:ext uri="smNativeData">
-                <pr:smNativeData xmlns:pr="smNativeData" xmlns="smNativeData" val="SMDATA_16_xzE7ZxMAAAAlAAAAZAAAAA0AAAAAkAAAAEgAAACQAAAASAAAAAAAAAABAAAAAAAAAAEAAABQAAAAAAAAAAAA4D8AAAAAAADgPwAAAAAAAOA/AAAAAAAA4D8AAAAAAADgPwAAAAAAAOA/AAAAAAAA4D8AAAAAAADgPwAAAAAAAOA/AAAAAAAA4D8CAAAAjAAAAAAAAAAAAAAARHLEDP///wgAAAAAAAAAAAAAAAAAAAAAAAAAAAAAAAAAAAAAZAAAAAEAAABAAAAAAAAAAAAAAAAAAAAAAAAAAAAAAAAAAAAAAAAAAAAAAAAAAAAAAAAAAAAAAAAAAAAAAAAAAAAAAAAAAAAAAAAAAAAAAAAAAAAAAAAAAAAAAAAAAAAAFAAAADwAAAAAAAAAAAAAAAAAAAkUAAAAAQAAABQAAAAUAAAAFAAAAAEAAAAAAAAAZAAAAGQAAAAAAAAAZAAAAGQAAAAVAAAAYAAAAAAAAAAAAAAADwAAACADAAAAAAAAAAAAAAEAAACgMgAAVgcAAKr4//8BAAAAf39/AAEAAABkAAAAAAAAABQAAABAHwAAAAAAACYAAAAAAAAAwOD//wAAAAAmAAAAZAAAABYAAABMAAAAAAAAAAAAAAAEAAAAAAAAAAEAAADn5uYKAAAAACgAAAAoAAAAZAAAAGQAAAAAAAAAzMzMAAAAAABQAAAAUAAAAGQAAABkAAAAAAAAABcAAAAUAAAAAAAAAAAAAAD/fwAA/38AAAAAAAAJAAAABAAAAHAgGrceAAAAaAAAAAAAAAAAAAAAAAAAAAAAAAAAAAAAECcAABAnAAAAAAAAAAAAAAAAAAAAAAAAAAAAAAAAAAAAAAAAAAAAABQAAAAAAAAAwMD/AAAAAABkAAAAMgAAAAAAAABkAAAAAAAAAH9/fwAKAAAAIgAAABgAAAAAAAAAAAAAAAAAAAAAAAAAAAAAAAAAAAAkAAAAJAAAAAAAAAAHAAAAAAAAAAAAAAAAAAAAAAAAAAAAAAAAAAAAf39/ACUAAABYAAAAAAAAAAAAAAAAAAAAAAAAAAAAAAAAAAAAAAAAAAAAAAAAAAAAAAAAAAAAAAA/AAAAAAAAAKCGAQAAAAAAAAAAAAAAAAAMAAAAAQAAAAAAAAAAAAAAAAAAAB8AAABUAAAAAAAABQAAAAEAAAAAAAAAAAAAAAAAAAAAAAAAAAAAAAAAAAAAAAAAAAAAAAJ/f38AAAAAA8zMzADAwP8Af39/AAAAAAAAAAAAAAAAAAAAAAAAAAAAIQAAABgAAAAUAAAA+DQAABonAADYRQAAWSkAABAAAAAmAAAACAAAAAAAAAAAAAAAMAAAABQAAAAAAAAAAAD//wAAAQAAAP//AAABAA=="/>
+                <pr:smNativeData xmlns:mc="http://schemas.openxmlformats.org/markup-compatibility/2006" xmlns:p14="http://schemas.microsoft.com/office/powerpoint/2010/main" xmlns:p15="http://schemas.microsoft.com/office/powerpoint/2012/main" xmlns:pr="smNativeData" xmlns="smNativeData" val="SMDATA_16_xzE7ZxMAAAAlAAAAZAAAAA0AAAAAkAAAAEgAAACQAAAASAAAAAAAAAABAAAAAAAAAAEAAABQAAAAAAAAAAAA4D8AAAAAAADgPwAAAAAAAOA/AAAAAAAA4D8AAAAAAADgPwAAAAAAAOA/AAAAAAAA4D8AAAAAAADgPwAAAAAAAOA/AAAAAAAA4D8CAAAAjAAAAAAAAAAAAAAARHLEDP///wgAAAAAAAAAAAAAAAAAAAAAAAAAAAAAAAAAAAAAZAAAAAEAAABAAAAAAAAAAAAAAAAAAAAAAAAAAAAAAAAAAAAAAAAAAAAAAAAAAAAAAAAAAAAAAAAAAAAAAAAAAAAAAAAAAAAAAAAAAAAAAAAAAAAAAAAAAAAAAAAAAAAAFAAAADwAAAAAAAAAAAAAAAAAAAkUAAAAAQAAABQAAAAUAAAAFAAAAAEAAAAAAAAAZAAAAGQAAAAAAAAAZAAAAGQAAAAVAAAAYAAAAAAAAAAAAAAADwAAACADAAAAAAAAAAAAAAEAAACgMgAAVgcAAKr4//8BAAAAf39/AAEAAABkAAAAAAAAABQAAABAHwAAAAAAACYAAAAAAAAAwOD//wAAAAAmAAAAZAAAABYAAABMAAAAAAAAAAAAAAAEAAAAAAAAAAEAAADn5uYKAAAAACgAAAAoAAAAZAAAAGQAAAAAAAAAzMzMAAAAAABQAAAAUAAAAGQAAABkAAAAAAAAABcAAAAUAAAAAAAAAAAAAAD/fwAA/38AAAAAAAAJAAAABAAAAHAgGrceAAAAaAAAAAAAAAAAAAAAAAAAAAAAAAAAAAAAECcAABAnAAAAAAAAAAAAAAAAAAAAAAAAAAAAAAAAAAAAAAAAAAAAABQAAAAAAAAAwMD/AAAAAABkAAAAMgAAAAAAAABkAAAAAAAAAH9/fwAKAAAAIgAAABgAAAAAAAAAAAAAAAAAAAAAAAAAAAAAAAAAAAAkAAAAJAAAAAAAAAAHAAAAAAAAAAAAAAAAAAAAAAAAAAAAAAAAAAAAf39/ACUAAABYAAAAAAAAAAAAAAAAAAAAAAAAAAAAAAAAAAAAAAAAAAAAAAAAAAAAAAAAAAAAAAA/AAAAAAAAAKCGAQAAAAAAAAAAAAAAAAAMAAAAAQAAAAAAAAAAAAAAAAAAAB8AAABUAAAAAAAABQAAAAEAAAAAAAAAAAAAAAAAAAAAAAAAAAAAAAAAAAAAAAAAAAAAAAJ/f38AAAAAA8zMzADAwP8Af39/AAAAAAAAAAAAAAAAAAAAAAAAAAAAIQAAABgAAAAUAAAA+DQAABonAADYRQAAWSkAABAAAAAmAAAACAAAAAAAAAAAAAAAMAAAABQAAAAAAAAAAAD//wAAAQAAAP//AAABAA=="/>
               </a:ext>
             </a:extLst>
           </p:cNvSpPr>
@@ -1768,8 +1593,9 @@
               <a:defRPr lang="ru-ru"/>
             </a:pPr>
             <a:fld id="{3BC5F3CD-83D6-9005-987D-7550BD336E20}" type="slidenum">
-              <a:t/>
+              <a:t>‹#›</a:t>
             </a:fld>
+            <a:endParaRPr/>
           </a:p>
         </p:txBody>
       </p:sp>
@@ -1783,7 +1609,7 @@
 </file>
 
 <file path=ppt/slideLayouts/slideLayout10.xml><?xml version="1.0" encoding="utf-8"?>
-<p:sldLayout xmlns:p="http://schemas.openxmlformats.org/presentationml/2006/main" xmlns:mc="http://schemas.openxmlformats.org/markup-compatibility/2006" xmlns:p14="http://schemas.microsoft.com/office/powerpoint/2010/main" xmlns:p15="http://schemas.microsoft.com/office/powerpoint/2012/main" xmlns:r="http://schemas.openxmlformats.org/officeDocument/2006/relationships" xmlns:a="http://schemas.openxmlformats.org/drawingml/2006/main" type="vertTx" preserve="1">
+<p:sldLayout xmlns:a="http://schemas.openxmlformats.org/drawingml/2006/main" xmlns:r="http://schemas.openxmlformats.org/officeDocument/2006/relationships" xmlns:p="http://schemas.openxmlformats.org/presentationml/2006/main" type="vertTx" preserve="1">
   <p:cSld name="Заголовок и вертикальный текст">
     <p:spTree>
       <p:nvGrpSpPr>
@@ -1806,7 +1632,7 @@
             <a:spLocks noGrp="1" noChangeArrowheads="1"/>
             <a:extLst>
               <a:ext uri="smNativeData">
-                <pr:smNativeData xmlns:pr="smNativeData" xmlns="smNativeData" val="SMDATA_16_xzE7ZxMAAAAlAAAAZAAAAA0AAAAAkAAAAEgAAACQAAAASAAAAAAAAAABAAAAAAAAAAEAAABQAAAAAAAAAAAA4D8AAAAAAADgPwAAAAAAAOA/AAAAAAAA4D8AAAAAAADgPwAAAAAAAOA/AAAAAAAA4D8AAAAAAADgPwAAAAAAAOA/AAAAAAAA4D8CAAAAjAAAAAAAAAAAAAAARHLEDP///wgAAAAAAAAAAAAAAAAAAAAAAAAAAAAAAAAAAAAAZAAAAAEAAABAAAAAAAAAAAAAAAAAAAAAAAAAAAAAAAAAAAAAAAAAAAAAAAAAAAAAAAAAAAAAAAAAAAAAAAAAAAAAAAAAAAAAAAAAAAAAAAAAAAAAAAAAAAAAAAAAAAAAFAAAADwAAAAAAAAAAAAAAAAAAAkUAAAAAQAAABQAAAAUAAAAFAAAAAEAAAAAAAAAZAAAAGQAAAAAAAAAZAAAAGQAAAAVAAAAYAAAAAAAAAAAAAAADwAAACADAAAAAAAAAAAAAAEAAACgMgAAVgcAAKr4//8BAAAAf39/AAEAAABkAAAAAAAAABQAAABAHwAAAAAAACYAAAAAAAAAwOD//wAAAAAmAAAAZAAAABYAAABMAAAAAAAAAAAAAAAEAAAAAAAAAAEAAADn5uYKAAAAACgAAAAoAAAAZAAAAGQAAAAAAAAAzMzMAAAAAABQAAAAUAAAAGQAAABkAAAAAAAAABcAAAAUAAAAAAAAAAAAAAD/fwAA/38AAAAAAAAJAAAABAAAAAAAAAAeAAAAaAAAAAAAAAAAAAAAAAAAAAAAAAAAAAAAECcAABAnAAAAAAAAAAAAAAAAAAAAAAAAAAAAAAAAAAAAAAAAAAAAABQAAAAAAAAAwMD/AAAAAABkAAAAMgAAAAAAAABkAAAAAAAAAH9/fwAKAAAAIgAAABgAAAAAAAAAAAAAAAAAAAAAAAAAAAAAAAAAAAAkAAAAJAAAAAAAAAAHAAAAAAAAAAAAAAAAAAAAAAAAAAAAAAAAAAAAf39/ACUAAABYAAAAAAAAAAAAAAAAAAAAAAAAAAAAAAAAAAAAAAAAAAAAAAAAAAAAAAAAAAAAAAA/AAAAAAAAAKCGAQAAAAAAAAAAAAAAAAAMAAAAAQAAAAAAAAAAAAAAAAAAAB8AAABUAAAAAAAABQAAAAEAAAAAAAAAAAAAAAAAAAAAAAAAAAAAAAAAAAAAAAAAAAAAAAJ/f38AAAAAA8zMzADAwP8Af39/AAAAAAAAAAAAAAAAAAAAAAAAAAAAIQAAABgAAAAUAAAAKAUAAD8CAADYRQAAZwoAABAAAAAmAAAACAAAAAAAAAAAAAAAMAAAABQAAAAAAAAAAAD//wAAAQAAAP//AAABAA=="/>
+                <pr:smNativeData xmlns:mc="http://schemas.openxmlformats.org/markup-compatibility/2006" xmlns:p14="http://schemas.microsoft.com/office/powerpoint/2010/main" xmlns:p15="http://schemas.microsoft.com/office/powerpoint/2012/main" xmlns:pr="smNativeData" xmlns="smNativeData" val="SMDATA_16_xzE7ZxMAAAAlAAAAZAAAAA0AAAAAkAAAAEgAAACQAAAASAAAAAAAAAABAAAAAAAAAAEAAABQAAAAAAAAAAAA4D8AAAAAAADgPwAAAAAAAOA/AAAAAAAA4D8AAAAAAADgPwAAAAAAAOA/AAAAAAAA4D8AAAAAAADgPwAAAAAAAOA/AAAAAAAA4D8CAAAAjAAAAAAAAAAAAAAARHLEDP///wgAAAAAAAAAAAAAAAAAAAAAAAAAAAAAAAAAAAAAZAAAAAEAAABAAAAAAAAAAAAAAAAAAAAAAAAAAAAAAAAAAAAAAAAAAAAAAAAAAAAAAAAAAAAAAAAAAAAAAAAAAAAAAAAAAAAAAAAAAAAAAAAAAAAAAAAAAAAAAAAAAAAAFAAAADwAAAAAAAAAAAAAAAAAAAkUAAAAAQAAABQAAAAUAAAAFAAAAAEAAAAAAAAAZAAAAGQAAAAAAAAAZAAAAGQAAAAVAAAAYAAAAAAAAAAAAAAADwAAACADAAAAAAAAAAAAAAEAAACgMgAAVgcAAKr4//8BAAAAf39/AAEAAABkAAAAAAAAABQAAABAHwAAAAAAACYAAAAAAAAAwOD//wAAAAAmAAAAZAAAABYAAABMAAAAAAAAAAAAAAAEAAAAAAAAAAEAAADn5uYKAAAAACgAAAAoAAAAZAAAAGQAAAAAAAAAzMzMAAAAAABQAAAAUAAAAGQAAABkAAAAAAAAABcAAAAUAAAAAAAAAAAAAAD/fwAA/38AAAAAAAAJAAAABAAAAAAAAAAeAAAAaAAAAAAAAAAAAAAAAAAAAAAAAAAAAAAAECcAABAnAAAAAAAAAAAAAAAAAAAAAAAAAAAAAAAAAAAAAAAAAAAAABQAAAAAAAAAwMD/AAAAAABkAAAAMgAAAAAAAABkAAAAAAAAAH9/fwAKAAAAIgAAABgAAAAAAAAAAAAAAAAAAAAAAAAAAAAAAAAAAAAkAAAAJAAAAAAAAAAHAAAAAAAAAAAAAAAAAAAAAAAAAAAAAAAAAAAAf39/ACUAAABYAAAAAAAAAAAAAAAAAAAAAAAAAAAAAAAAAAAAAAAAAAAAAAAAAAAAAAAAAAAAAAA/AAAAAAAAAKCGAQAAAAAAAAAAAAAAAAAMAAAAAQAAAAAAAAAAAAAAAAAAAB8AAABUAAAAAAAABQAAAAEAAAAAAAAAAAAAAAAAAAAAAAAAAAAAAAAAAAAAAAAAAAAAAAJ/f38AAAAAA8zMzADAwP8Af39/AAAAAAAAAAAAAAAAAAAAAAAAAAAAIQAAABgAAAAUAAAAKAUAAD8CAADYRQAAZwoAABAAAAAmAAAACAAAAAAAAAAAAAAAMAAAABQAAAAAAAAAAAD//wAAAQAAAP//AAABAA=="/>
               </a:ext>
             </a:extLst>
           </p:cNvSpPr>
@@ -1835,7 +1661,7 @@
             <a:spLocks noGrp="1" noChangeArrowheads="1"/>
             <a:extLst>
               <a:ext uri="smNativeData">
-                <pr:smNativeData xmlns:pr="smNativeData" xmlns="smNativeData" val="SMDATA_16_xzE7ZxMAAAAlAAAAZAAAAA0AAAAAkAAAAEgAAACQAAAASAAAAAAAAAAAAAAAAQAAAAEAAABQAAAAAAAAAAAA4D8AAAAAAADgPwAAAAAAAOA/AAAAAAAA4D8AAAAAAADgPwAAAAAAAOA/AAAAAAAA4D8AAAAAAADgPwAAAAAAAOA/AAAAAAAA4D8CAAAAjAAAAAAAAAAAAAAARHLEDP///wgAAAAAAAAAAAAAAAAAAAAAAAAAAAAAAAAAAAAAZAAAAAEAAABAAAAAAAAAAAAAAAAAAAAAAAAAAAAAAAAAAAAAAAAAAAAAAAAAAAAAAAAAAAAAAAAAAAAAAAAAAAAAAAAAAAAAAAAAAAAAAAAAAAAAAAAAAAAAAAAAAAAAFAAAADwAAAAAAAAAAAAAAAAAAAkUAAAAAQAAABQAAAAUAAAAFAAAAAEAAAAAAAAAZAAAAGQAAAAAAAAAZAAAAGQAAAAVAAAAYAAAAAAAAAAAAAAADwAAACADAAAAAAAAAAAAAAEAAACgMgAAVgcAAKr4//8BAAAAf39/AAEAAABkAAAAAAAAABQAAABAHwAAAAAAACYAAAAAAAAAwOD//wAAAAAmAAAAZAAAABYAAABMAAAAAAAAAAAAAAAEAAAAAAAAAAEAAADn5uYKAAAAACgAAAAoAAAAZAAAAGQAAAAAAAAAzMzMAAAAAABQAAAAUAAAAGQAAABkAAAAAAAAABcAAAAUAAAAAAAAAAAAAAD/fwAA/38AAAAAAAAJAAAABAAAAAAAAAAeAAAAaAAAAAAAAAAAAAAAAAAAAAAAAAAAAAAAECcAABAnAAAAAAAAAAAAAAAAAAAAAAAAAAAAAAAAAAAAAAAAAAAAABQAAAAAAAAAwMD/AAAAAABkAAAAMgAAAAAAAABkAAAAAAAAAH9/fwAKAAAAIgAAABgAAAAAAAAAAAAAAAAAAAAAAAAAAAAAAAAAAAAkAAAAJAAAAAAAAAAHAAAAAAAAAAAAAAAAAAAAAAAAAAAAAAAAAAAAf39/ACUAAABYAAAAAAAAAAAAAAAAAAAAAAAAAAAAAAAAAAAAAAAAAAAAAAAAAAAAAAAAAAAAAAA/AAAAAAAAAKCGAQAAAAAAAAAAAAAAAAAMAAAAAQAAAAAAAAAAAAAAAAAAAB8AAABUAAAAAAAABQAAAAEAAAAAAAAAAAAAAAAAAAAAAAAAAAAAAAAAAAAAAAAAAAAAAAJ/f38AAAAAA8zMzADAwP8Af39/AAAAAAAAAAAAAAAAAAAAAAAAAAAAIQAAABgAAAAUAAAAKAUAADsLAADYRQAAACYAABAAAAAmAAAACAAAAAIAAAAAAAAAMAAAABQAAAAAAAAAAAD//wAAAQAAAP//AAABAA=="/>
+                <pr:smNativeData xmlns:mc="http://schemas.openxmlformats.org/markup-compatibility/2006" xmlns:p14="http://schemas.microsoft.com/office/powerpoint/2010/main" xmlns:p15="http://schemas.microsoft.com/office/powerpoint/2012/main" xmlns:pr="smNativeData" xmlns="smNativeData" val="SMDATA_16_xzE7ZxMAAAAlAAAAZAAAAA0AAAAAkAAAAEgAAACQAAAASAAAAAAAAAAAAAAAAQAAAAEAAABQAAAAAAAAAAAA4D8AAAAAAADgPwAAAAAAAOA/AAAAAAAA4D8AAAAAAADgPwAAAAAAAOA/AAAAAAAA4D8AAAAAAADgPwAAAAAAAOA/AAAAAAAA4D8CAAAAjAAAAAAAAAAAAAAARHLEDP///wgAAAAAAAAAAAAAAAAAAAAAAAAAAAAAAAAAAAAAZAAAAAEAAABAAAAAAAAAAAAAAAAAAAAAAAAAAAAAAAAAAAAAAAAAAAAAAAAAAAAAAAAAAAAAAAAAAAAAAAAAAAAAAAAAAAAAAAAAAAAAAAAAAAAAAAAAAAAAAAAAAAAAFAAAADwAAAAAAAAAAAAAAAAAAAkUAAAAAQAAABQAAAAUAAAAFAAAAAEAAAAAAAAAZAAAAGQAAAAAAAAAZAAAAGQAAAAVAAAAYAAAAAAAAAAAAAAADwAAACADAAAAAAAAAAAAAAEAAACgMgAAVgcAAKr4//8BAAAAf39/AAEAAABkAAAAAAAAABQAAABAHwAAAAAAACYAAAAAAAAAwOD//wAAAAAmAAAAZAAAABYAAABMAAAAAAAAAAAAAAAEAAAAAAAAAAEAAADn5uYKAAAAACgAAAAoAAAAZAAAAGQAAAAAAAAAzMzMAAAAAABQAAAAUAAAAGQAAABkAAAAAAAAABcAAAAUAAAAAAAAAAAAAAD/fwAA/38AAAAAAAAJAAAABAAAAAAAAAAeAAAAaAAAAAAAAAAAAAAAAAAAAAAAAAAAAAAAECcAABAnAAAAAAAAAAAAAAAAAAAAAAAAAAAAAAAAAAAAAAAAAAAAABQAAAAAAAAAwMD/AAAAAABkAAAAMgAAAAAAAABkAAAAAAAAAH9/fwAKAAAAIgAAABgAAAAAAAAAAAAAAAAAAAAAAAAAAAAAAAAAAAAkAAAAJAAAAAAAAAAHAAAAAAAAAAAAAAAAAAAAAAAAAAAAAAAAAAAAf39/ACUAAABYAAAAAAAAAAAAAAAAAAAAAAAAAAAAAAAAAAAAAAAAAAAAAAAAAAAAAAAAAAAAAAA/AAAAAAAAAKCGAQAAAAAAAAAAAAAAAAAMAAAAAQAAAAAAAAAAAAAAAAAAAB8AAABUAAAAAAAABQAAAAEAAAAAAAAAAAAAAAAAAAAAAAAAAAAAAAAAAAAAAAAAAAAAAAJ/f38AAAAAA8zMzADAwP8Af39/AAAAAAAAAAAAAAAAAAAAAAAAAAAAIQAAABgAAAAUAAAAKAUAADsLAADYRQAAACYAABAAAAAmAAAACAAAAAIAAAAAAAAAMAAAABQAAAAAAAAAAAD//wAAAQAAAP//AAABAA=="/>
               </a:ext>
             </a:extLst>
           </p:cNvSpPr>
@@ -1900,7 +1726,7 @@
             <a:spLocks noGrp="1" noChangeArrowheads="1"/>
             <a:extLst>
               <a:ext uri="smNativeData">
-                <pr:smNativeData xmlns:pr="smNativeData" xmlns="smNativeData" val="SMDATA_16_xzE7ZxMAAAAlAAAAZAAAAA0AAAAAkAAAAEgAAACQAAAASAAAAAAAAAABAAAAAAAAAAEAAABQAAAAAAAAAAAA4D8AAAAAAADgPwAAAAAAAOA/AAAAAAAA4D8AAAAAAADgPwAAAAAAAOA/AAAAAAAA4D8AAAAAAADgPwAAAAAAAOA/AAAAAAAA4D8CAAAAjAAAAAAAAAAAAAAARHLEDP///wgAAAAAAAAAAAAAAAAAAAAAAAAAAAAAAAAAAAAAZAAAAAEAAABAAAAAAAAAAAAAAAAAAAAAAAAAAAAAAAAAAAAAAAAAAAAAAAAAAAAAAAAAAAAAAAAAAAAAAAAAAAAAAAAAAAAAAAAAAAAAAAAAAAAAAAAAAAAAAAAAAAAAFAAAADwAAAAAAAAAAAAAAAAAAAkUAAAAAQAAABQAAAAUAAAAFAAAAAEAAAAAAAAAZAAAAGQAAAAAAAAAZAAAAGQAAAAVAAAAYAAAAAAAAAAAAAAADwAAACADAAAAAAAAAAAAAAEAAACgMgAAVgcAAKr4//8BAAAAf39/AAEAAABkAAAAAAAAABQAAABAHwAAAAAAACYAAAAAAAAAwOD//wAAAAAmAAAAZAAAABYAAABMAAAAAAAAAAAAAAAEAAAAAAAAAAEAAADn5uYKAAAAACgAAAAoAAAAZAAAAGQAAAAAAAAAzMzMAAAAAABQAAAAUAAAAGQAAABkAAAAAAAAABcAAAAUAAAAAAAAAAAAAAD/fwAA/38AAAAAAAAJAAAABAAAAAAAAAAeAAAAaAAAAAAAAAAAAAAAAAAAAAAAAAAAAAAAECcAABAnAAAAAAAAAAAAAAAAAAAAAAAAAAAAAAAAAAAAAAAAAAAAABQAAAAAAAAAwMD/AAAAAABkAAAAMgAAAAAAAABkAAAAAAAAAH9/fwAKAAAAIgAAABgAAAAAAAAAAAAAAAAAAAAAAAAAAAAAAAAAAAAkAAAAJAAAAAAAAAAHAAAAAAAAAAAAAAAAAAAAAAAAAAAAAAAAAAAAf39/ACUAAABYAAAAAAAAAAAAAAAAAAAAAAAAAAAAAAAAAAAAAAAAAAAAAAAAAAAAAAAAAAAAAAA/AAAAAAAAAKCGAQAAAAAAAAAAAAAAAAAMAAAAAQAAAAAAAAAAAAAAAAAAAB8AAABUAAAAAAAABQAAAAEAAAAAAAAAAAAAAAAAAAAAAAAAAAAAAAAAAAAAAAAAAAAAAAJ/f38AAAAAA8zMzADAwP8Af39/AAAAAAAAAAAAAAAAAAAAAAAAAAAAIQAAABgAAAAUAAAAKAUAABonAAAIFgAAWSkAABAAAAAmAAAACAAAAAAAAAAAAAAAMAAAABQAAAAAAAAAAAD//wAAAQAAAP//AAABAA=="/>
+                <pr:smNativeData xmlns:mc="http://schemas.openxmlformats.org/markup-compatibility/2006" xmlns:p14="http://schemas.microsoft.com/office/powerpoint/2010/main" xmlns:p15="http://schemas.microsoft.com/office/powerpoint/2012/main" xmlns:pr="smNativeData" xmlns="smNativeData" val="SMDATA_16_xzE7ZxMAAAAlAAAAZAAAAA0AAAAAkAAAAEgAAACQAAAASAAAAAAAAAABAAAAAAAAAAEAAABQAAAAAAAAAAAA4D8AAAAAAADgPwAAAAAAAOA/AAAAAAAA4D8AAAAAAADgPwAAAAAAAOA/AAAAAAAA4D8AAAAAAADgPwAAAAAAAOA/AAAAAAAA4D8CAAAAjAAAAAAAAAAAAAAARHLEDP///wgAAAAAAAAAAAAAAAAAAAAAAAAAAAAAAAAAAAAAZAAAAAEAAABAAAAAAAAAAAAAAAAAAAAAAAAAAAAAAAAAAAAAAAAAAAAAAAAAAAAAAAAAAAAAAAAAAAAAAAAAAAAAAAAAAAAAAAAAAAAAAAAAAAAAAAAAAAAAAAAAAAAAFAAAADwAAAAAAAAAAAAAAAAAAAkUAAAAAQAAABQAAAAUAAAAFAAAAAEAAAAAAAAAZAAAAGQAAAAAAAAAZAAAAGQAAAAVAAAAYAAAAAAAAAAAAAAADwAAACADAAAAAAAAAAAAAAEAAACgMgAAVgcAAKr4//8BAAAAf39/AAEAAABkAAAAAAAAABQAAABAHwAAAAAAACYAAAAAAAAAwOD//wAAAAAmAAAAZAAAABYAAABMAAAAAAAAAAAAAAAEAAAAAAAAAAEAAADn5uYKAAAAACgAAAAoAAAAZAAAAGQAAAAAAAAAzMzMAAAAAABQAAAAUAAAAGQAAABkAAAAAAAAABcAAAAUAAAAAAAAAAAAAAD/fwAA/38AAAAAAAAJAAAABAAAAAAAAAAeAAAAaAAAAAAAAAAAAAAAAAAAAAAAAAAAAAAAECcAABAnAAAAAAAAAAAAAAAAAAAAAAAAAAAAAAAAAAAAAAAAAAAAABQAAAAAAAAAwMD/AAAAAABkAAAAMgAAAAAAAABkAAAAAAAAAH9/fwAKAAAAIgAAABgAAAAAAAAAAAAAAAAAAAAAAAAAAAAAAAAAAAAkAAAAJAAAAAAAAAAHAAAAAAAAAAAAAAAAAAAAAAAAAAAAAAAAAAAAf39/ACUAAABYAAAAAAAAAAAAAAAAAAAAAAAAAAAAAAAAAAAAAAAAAAAAAAAAAAAAAAAAAAAAAAA/AAAAAAAAAKCGAQAAAAAAAAAAAAAAAAAMAAAAAQAAAAAAAAAAAAAAAAAAAB8AAABUAAAAAAAABQAAAAEAAAAAAAAAAAAAAAAAAAAAAAAAAAAAAAAAAAAAAAAAAAAAAAJ/f38AAAAAA8zMzADAwP8Af39/AAAAAAAAAAAAAAAAAAAAAAAAAAAAIQAAABgAAAAUAAAAKAUAABonAAAIFgAAWSkAABAAAAAmAAAACAAAAAAAAAAAAAAAMAAAABQAAAAAAAAAAAD//wAAAQAAAP//AAABAA=="/>
               </a:ext>
             </a:extLst>
           </p:cNvSpPr>
@@ -1917,8 +1743,9 @@
               <a:defRPr lang="ru-ru"/>
             </a:pPr>
             <a:fld id="{3BC5D9F0-BED6-902F-987D-487A97336E1D}" type="datetime1">
-              <a:t>18.11.2024</a:t>
+              <a:t>20.11.2024</a:t>
             </a:fld>
+            <a:endParaRPr/>
           </a:p>
         </p:txBody>
       </p:sp>
@@ -1929,7 +1756,7 @@
             <a:spLocks noGrp="1" noChangeArrowheads="1"/>
             <a:extLst>
               <a:ext uri="smNativeData">
-                <pr:smNativeData xmlns:pr="smNativeData" xmlns="smNativeData" val="SMDATA_16_xzE7ZxMAAAAlAAAAZAAAAA0AAAAAkAAAAEgAAACQAAAASAAAAAAAAAABAAAAAAAAAAEAAABQAAAAAAAAAAAA4D8AAAAAAADgPwAAAAAAAOA/AAAAAAAA4D8AAAAAAADgPwAAAAAAAOA/AAAAAAAA4D8AAAAAAADgPwAAAAAAAOA/AAAAAAAA4D8CAAAAjAAAAAAAAAAAAAAARHLEDP///wgAAAAAAAAAAAAAAAAAAAAAAAAAAAAAAAAAAAAAZAAAAAEAAABAAAAAAAAAAAAAAAAAAAAAAAAAAAAAAAAAAAAAAAAAAAAAAAAAAAAAAAAAAAAAAAAAAAAAAAAAAAAAAAAAAAAAAAAAAAAAAAAAAAAAAAAAAAAAAAAAAAAAFAAAADwAAAAAAAAAAAAAAAAAAAkUAAAAAQAAABQAAAAUAAAAFAAAAAEAAAAAAAAAZAAAAGQAAAAAAAAAZAAAAGQAAAAVAAAAYAAAAAAAAAAAAAAADwAAACADAAAAAAAAAAAAAAEAAACgMgAAVgcAAKr4//8BAAAAf39/AAEAAABkAAAAAAAAABQAAABAHwAAAAAAACYAAAAAAAAAwOD//wAAAAAmAAAAZAAAABYAAABMAAAAAAAAAAAAAAAEAAAAAAAAAAEAAADn5uYKAAAAACgAAAAoAAAAZAAAAGQAAAAAAAAAzMzMAAAAAABQAAAAUAAAAGQAAABkAAAAAAAAABcAAAAUAAAAAAAAAAAAAAD/fwAA/38AAAAAAAAJAAAABAAAAAAAAAAeAAAAaAAAAAAAAAAAAAAAAAAAAAAAAAAAAAAAECcAABAnAAAAAAAAAAAAAAAAAAAAAAAAAAAAAAAAAAAAAAAAAAAAABQAAAAAAAAAwMD/AAAAAABkAAAAMgAAAAAAAABkAAAAAAAAAH9/fwAKAAAAIgAAABgAAAAAAAAAAAAAAAAAAAAAAAAAAAAAAAAAAAAkAAAAJAAAAAAAAAAHAAAAAAAAAAAAAAAAAAAAAAAAAAAAAAAAAAAAf39/ACUAAABYAAAAAAAAAAAAAAAAAAAAAAAAAAAAAAAAAAAAAAAAAAAAAAAAAAAAAAAAAAAAAAA/AAAAAAAAAKCGAQAAAAAAAAAAAAAAAAAMAAAAAQAAAAAAAAAAAAAAAAAAAB8AAABUAAAAAAAABQAAAAEAAAAAAAAAAAAAAAAAAAAAAAAAAAAAAAAAAAAAAAAAAAAAAAJ/f38AAAAAA8zMzADAwP8Af39/AAAAAAAAAAAAAAAAAAAAAAAAAAAAIQAAABgAAAAUAAAA2BgAABonAAAoMgAAWSkAABAAAAAmAAAACAAAAAAAAAAAAAAAMAAAABQAAAAAAAAAAAD//wAAAQAAAP//AAABAA=="/>
+                <pr:smNativeData xmlns:mc="http://schemas.openxmlformats.org/markup-compatibility/2006" xmlns:p14="http://schemas.microsoft.com/office/powerpoint/2010/main" xmlns:p15="http://schemas.microsoft.com/office/powerpoint/2012/main" xmlns:pr="smNativeData" xmlns="smNativeData" val="SMDATA_16_xzE7ZxMAAAAlAAAAZAAAAA0AAAAAkAAAAEgAAACQAAAASAAAAAAAAAABAAAAAAAAAAEAAABQAAAAAAAAAAAA4D8AAAAAAADgPwAAAAAAAOA/AAAAAAAA4D8AAAAAAADgPwAAAAAAAOA/AAAAAAAA4D8AAAAAAADgPwAAAAAAAOA/AAAAAAAA4D8CAAAAjAAAAAAAAAAAAAAARHLEDP///wgAAAAAAAAAAAAAAAAAAAAAAAAAAAAAAAAAAAAAZAAAAAEAAABAAAAAAAAAAAAAAAAAAAAAAAAAAAAAAAAAAAAAAAAAAAAAAAAAAAAAAAAAAAAAAAAAAAAAAAAAAAAAAAAAAAAAAAAAAAAAAAAAAAAAAAAAAAAAAAAAAAAAFAAAADwAAAAAAAAAAAAAAAAAAAkUAAAAAQAAABQAAAAUAAAAFAAAAAEAAAAAAAAAZAAAAGQAAAAAAAAAZAAAAGQAAAAVAAAAYAAAAAAAAAAAAAAADwAAACADAAAAAAAAAAAAAAEAAACgMgAAVgcAAKr4//8BAAAAf39/AAEAAABkAAAAAAAAABQAAABAHwAAAAAAACYAAAAAAAAAwOD//wAAAAAmAAAAZAAAABYAAABMAAAAAAAAAAAAAAAEAAAAAAAAAAEAAADn5uYKAAAAACgAAAAoAAAAZAAAAGQAAAAAAAAAzMzMAAAAAABQAAAAUAAAAGQAAABkAAAAAAAAABcAAAAUAAAAAAAAAAAAAAD/fwAA/38AAAAAAAAJAAAABAAAAAAAAAAeAAAAaAAAAAAAAAAAAAAAAAAAAAAAAAAAAAAAECcAABAnAAAAAAAAAAAAAAAAAAAAAAAAAAAAAAAAAAAAAAAAAAAAABQAAAAAAAAAwMD/AAAAAABkAAAAMgAAAAAAAABkAAAAAAAAAH9/fwAKAAAAIgAAABgAAAAAAAAAAAAAAAAAAAAAAAAAAAAAAAAAAAAkAAAAJAAAAAAAAAAHAAAAAAAAAAAAAAAAAAAAAAAAAAAAAAAAAAAAf39/ACUAAABYAAAAAAAAAAAAAAAAAAAAAAAAAAAAAAAAAAAAAAAAAAAAAAAAAAAAAAAAAAAAAAA/AAAAAAAAAKCGAQAAAAAAAAAAAAAAAAAMAAAAAQAAAAAAAAAAAAAAAAAAAB8AAABUAAAAAAAABQAAAAEAAAAAAAAAAAAAAAAAAAAAAAAAAAAAAAAAAAAAAAAAAAAAAAJ/f38AAAAAA8zMzADAwP8Af39/AAAAAAAAAAAAAAAAAAAAAAAAAAAAIQAAABgAAAAUAAAA2BgAABonAAAoMgAAWSkAABAAAAAmAAAACAAAAAAAAAAAAAAAMAAAABQAAAAAAAAAAAD//wAAAQAAAP//AAABAA=="/>
               </a:ext>
             </a:extLst>
           </p:cNvSpPr>
@@ -1945,6 +1772,7 @@
             <a:pPr>
               <a:defRPr lang="ru-ru"/>
             </a:pPr>
+            <a:endParaRPr/>
           </a:p>
         </p:txBody>
       </p:sp>
@@ -1955,7 +1783,7 @@
             <a:spLocks noGrp="1" noChangeArrowheads="1"/>
             <a:extLst>
               <a:ext uri="smNativeData">
-                <pr:smNativeData xmlns:pr="smNativeData" xmlns="smNativeData" val="SMDATA_16_xzE7ZxMAAAAlAAAAZAAAAA0AAAAAkAAAAEgAAACQAAAASAAAAAAAAAABAAAAAAAAAAEAAABQAAAAAAAAAAAA4D8AAAAAAADgPwAAAAAAAOA/AAAAAAAA4D8AAAAAAADgPwAAAAAAAOA/AAAAAAAA4D8AAAAAAADgPwAAAAAAAOA/AAAAAAAA4D8CAAAAjAAAAAAAAAAAAAAARHLEDP///wgAAAAAAAAAAAAAAAAAAAAAAAAAAAAAAAAAAAAAZAAAAAEAAABAAAAAAAAAAAAAAAAAAAAAAAAAAAAAAAAAAAAAAAAAAAAAAAAAAAAAAAAAAAAAAAAAAAAAAAAAAAAAAAAAAAAAAAAAAAAAAAAAAAAAAAAAAAAAAAAAAAAAFAAAADwAAAAAAAAAAAAAAAAAAAkUAAAAAQAAABQAAAAUAAAAFAAAAAEAAAAAAAAAZAAAAGQAAAAAAAAAZAAAAGQAAAAVAAAAYAAAAAAAAAAAAAAADwAAACADAAAAAAAAAAAAAAEAAACgMgAAVgcAAKr4//8BAAAAf39/AAEAAABkAAAAAAAAABQAAABAHwAAAAAAACYAAAAAAAAAwOD//wAAAAAmAAAAZAAAABYAAABMAAAAAAAAAAAAAAAEAAAAAAAAAAEAAADn5uYKAAAAACgAAAAoAAAAZAAAAGQAAAAAAAAAzMzMAAAAAABQAAAAUAAAAGQAAABkAAAAAAAAABcAAAAUAAAAAAAAAAAAAAD/fwAA/38AAAAAAAAJAAAABAAAAAAAAAAeAAAAaAAAAAAAAAAAAAAAAAAAAAAAAAAAAAAAECcAABAnAAAAAAAAAAAAAAAAAAAAAAAAAAAAAAAAAAAAAAAAAAAAABQAAAAAAAAAwMD/AAAAAABkAAAAMgAAAAAAAABkAAAAAAAAAH9/fwAKAAAAIgAAABgAAAAAAAAAAAAAAAAAAAAAAAAAAAAAAAAAAAAkAAAAJAAAAAAAAAAHAAAAAAAAAAAAAAAAAAAAAAAAAAAAAAAAAAAAf39/ACUAAABYAAAAAAAAAAAAAAAAAAAAAAAAAAAAAAAAAAAAAAAAAAAAAAAAAAAAAAAAAAAAAAA/AAAAAAAAAKCGAQAAAAAAAAAAAAAAAAAMAAAAAQAAAAAAAAAAAAAAAAAAAB8AAABUAAAAAAAABQAAAAEAAAAAAAAAAAAAAAAAAAAAAAAAAAAAAAAAAAAAAAAAAAAAAAJ/f38AAAAAA8zMzADAwP8Af39/AAAAAAAAAAAAAAAAAAAAAAAAAAAAIQAAABgAAAAUAAAA+DQAABonAADYRQAAWSkAABAAAAAmAAAACAAAAAAAAAAAAAAAMAAAABQAAAAAAAAAAAD//wAAAQAAAP//AAABAA=="/>
+                <pr:smNativeData xmlns:mc="http://schemas.openxmlformats.org/markup-compatibility/2006" xmlns:p14="http://schemas.microsoft.com/office/powerpoint/2010/main" xmlns:p15="http://schemas.microsoft.com/office/powerpoint/2012/main" xmlns:pr="smNativeData" xmlns="smNativeData" val="SMDATA_16_xzE7ZxMAAAAlAAAAZAAAAA0AAAAAkAAAAEgAAACQAAAASAAAAAAAAAABAAAAAAAAAAEAAABQAAAAAAAAAAAA4D8AAAAAAADgPwAAAAAAAOA/AAAAAAAA4D8AAAAAAADgPwAAAAAAAOA/AAAAAAAA4D8AAAAAAADgPwAAAAAAAOA/AAAAAAAA4D8CAAAAjAAAAAAAAAAAAAAARHLEDP///wgAAAAAAAAAAAAAAAAAAAAAAAAAAAAAAAAAAAAAZAAAAAEAAABAAAAAAAAAAAAAAAAAAAAAAAAAAAAAAAAAAAAAAAAAAAAAAAAAAAAAAAAAAAAAAAAAAAAAAAAAAAAAAAAAAAAAAAAAAAAAAAAAAAAAAAAAAAAAAAAAAAAAFAAAADwAAAAAAAAAAAAAAAAAAAkUAAAAAQAAABQAAAAUAAAAFAAAAAEAAAAAAAAAZAAAAGQAAAAAAAAAZAAAAGQAAAAVAAAAYAAAAAAAAAAAAAAADwAAACADAAAAAAAAAAAAAAEAAACgMgAAVgcAAKr4//8BAAAAf39/AAEAAABkAAAAAAAAABQAAABAHwAAAAAAACYAAAAAAAAAwOD//wAAAAAmAAAAZAAAABYAAABMAAAAAAAAAAAAAAAEAAAAAAAAAAEAAADn5uYKAAAAACgAAAAoAAAAZAAAAGQAAAAAAAAAzMzMAAAAAABQAAAAUAAAAGQAAABkAAAAAAAAABcAAAAUAAAAAAAAAAAAAAD/fwAA/38AAAAAAAAJAAAABAAAAAAAAAAeAAAAaAAAAAAAAAAAAAAAAAAAAAAAAAAAAAAAECcAABAnAAAAAAAAAAAAAAAAAAAAAAAAAAAAAAAAAAAAAAAAAAAAABQAAAAAAAAAwMD/AAAAAABkAAAAMgAAAAAAAABkAAAAAAAAAH9/fwAKAAAAIgAAABgAAAAAAAAAAAAAAAAAAAAAAAAAAAAAAAAAAAAkAAAAJAAAAAAAAAAHAAAAAAAAAAAAAAAAAAAAAAAAAAAAAAAAAAAAf39/ACUAAABYAAAAAAAAAAAAAAAAAAAAAAAAAAAAAAAAAAAAAAAAAAAAAAAAAAAAAAAAAAAAAAA/AAAAAAAAAKCGAQAAAAAAAAAAAAAAAAAMAAAAAQAAAAAAAAAAAAAAAAAAAB8AAABUAAAAAAAABQAAAAEAAAAAAAAAAAAAAAAAAAAAAAAAAAAAAAAAAAAAAAAAAAAAAAJ/f38AAAAAA8zMzADAwP8Af39/AAAAAAAAAAAAAAAAAAAAAAAAAAAAIQAAABgAAAAUAAAA+DQAABonAADYRQAAWSkAABAAAAAmAAAACAAAAAAAAAAAAAAAMAAAABQAAAAAAAAAAAD//wAAAQAAAP//AAABAA=="/>
               </a:ext>
             </a:extLst>
           </p:cNvSpPr>
@@ -1974,6 +1802,7 @@
             <a:fld id="{3BC5AAA0-EED6-905C-987D-1809E4336E4D}" type="slidenum">
               <a:t>‹#›</a:t>
             </a:fld>
+            <a:endParaRPr/>
           </a:p>
         </p:txBody>
       </p:sp>
@@ -1987,7 +1816,7 @@
 </file>
 
 <file path=ppt/slideLayouts/slideLayout11.xml><?xml version="1.0" encoding="utf-8"?>
-<p:sldLayout xmlns:p="http://schemas.openxmlformats.org/presentationml/2006/main" xmlns:mc="http://schemas.openxmlformats.org/markup-compatibility/2006" xmlns:p14="http://schemas.microsoft.com/office/powerpoint/2010/main" xmlns:p15="http://schemas.microsoft.com/office/powerpoint/2012/main" xmlns:r="http://schemas.openxmlformats.org/officeDocument/2006/relationships" xmlns:a="http://schemas.openxmlformats.org/drawingml/2006/main" type="vertTitleAndTx" preserve="1">
+<p:sldLayout xmlns:a="http://schemas.openxmlformats.org/drawingml/2006/main" xmlns:r="http://schemas.openxmlformats.org/officeDocument/2006/relationships" xmlns:p="http://schemas.openxmlformats.org/presentationml/2006/main" type="vertTitleAndTx" preserve="1">
   <p:cSld name="Вертикальный заголовок и текст">
     <p:spTree>
       <p:nvGrpSpPr>
@@ -2010,7 +1839,7 @@
             <a:spLocks noGrp="1" noChangeArrowheads="1"/>
             <a:extLst>
               <a:ext uri="smNativeData">
-                <pr:smNativeData xmlns:pr="smNativeData" xmlns="smNativeData" val="SMDATA_16_xzE7ZxMAAAAlAAAAZAAAAA0AAAAAkAAAAEgAAACQAAAASAAAAAAAAAABAAAAAQAAAAEAAABQAAAAAAAAAAAA4D8AAAAAAADgPwAAAAAAAOA/AAAAAAAA4D8AAAAAAADgPwAAAAAAAOA/AAAAAAAA4D8AAAAAAADgPwAAAAAAAOA/AAAAAAAA4D8CAAAAjAAAAAAAAAAAAAAARHLEDP///wgAAAAAAAAAAAAAAAAAAAAAAAAAAAAAAAAAAAAAZAAAAAEAAABAAAAAAAAAAAAAAAAAAAAAAAAAAAAAAAAAAAAAAAAAAAAAAAAAAAAAAAAAAAAAAAAAAAAAAAAAAAAAAAAAAAAAAAAAAAAAAAAAAAAAAAAAAAAAAAAAAAAAFAAAADwAAAAAAAAAAAAAAAAAAAkUAAAAAQAAABQAAAAUAAAAFAAAAAEAAAAAAAAAZAAAAGQAAAAAAAAAZAAAAGQAAAAVAAAAYAAAAAAAAAAAAAAADwAAACADAAAAAAAAAAAAAAEAAACgMgAAVgcAAKr4//8BAAAAf39/AAEAAABkAAAAAAAAABQAAABAHwAAAAAAACYAAAAAAAAAwOD//wAAAAAmAAAAZAAAABYAAABMAAAAAAAAAAAAAAAEAAAAAAAAAAEAAADn5uYKAAAAACgAAAAoAAAAZAAAAGQAAAAAAAAAzMzMAAAAAABQAAAAUAAAAGQAAABkAAAAAAAAABcAAAAUAAAAAAAAAAAAAAD/fwAA/38AAAAAAAAJAAAABAAAAAAAAAAeAAAAaAAAAAAAAAAAAAAAAAAAAAAAAAAAAAAAECcAABAnAAAAAAAAAAAAAAAAAAAAAAAAAAAAAAAAAAAAAAAAAAAAABQAAAAAAAAAwMD/AAAAAABkAAAAMgAAAAAAAABkAAAAAAAAAH9/fwAKAAAAIgAAABgAAAAAAAAAAAAAAAAAAAAAAAAAAAAAAAAAAAAkAAAAJAAAAAAAAAAHAAAAAAAAAAAAAAAAAAAAAAAAAAAAAAAAAAAAf39/ACUAAABYAAAAAAAAAAAAAAAAAAAAAAAAAAAAAAAAAAAAAAAAAAAAAAAAAAAAAAAAAAAAAAA/AAAAAAAAAKCGAQAAAAAAAAAAAAAAAAAMAAAAAQAAAAAAAAAAAAAAAAAAAB8AAABUAAAAAAAABQAAAAEAAAAAAAAAAAAAAAAAAAAAAAAAAAAAAAAAAAAAAAAAAAAAAAJ/f38AAAAAA8zMzADAwP8Af39/AAAAAAAAAAAAAAAAAAAAAAAAAAAAIQAAABgAAAAUAAAArDUAAD8CAADYRQAAACYAABAAAAAmAAAACAAAAAMAAAAAAAAAMAAAABQAAAAAAAAAAAD//wAAAQAAAP//AAABAA=="/>
+                <pr:smNativeData xmlns:mc="http://schemas.openxmlformats.org/markup-compatibility/2006" xmlns:p14="http://schemas.microsoft.com/office/powerpoint/2010/main" xmlns:p15="http://schemas.microsoft.com/office/powerpoint/2012/main" xmlns:pr="smNativeData" xmlns="smNativeData" val="SMDATA_16_xzE7ZxMAAAAlAAAAZAAAAA0AAAAAkAAAAEgAAACQAAAASAAAAAAAAAABAAAAAQAAAAEAAABQAAAAAAAAAAAA4D8AAAAAAADgPwAAAAAAAOA/AAAAAAAA4D8AAAAAAADgPwAAAAAAAOA/AAAAAAAA4D8AAAAAAADgPwAAAAAAAOA/AAAAAAAA4D8CAAAAjAAAAAAAAAAAAAAARHLEDP///wgAAAAAAAAAAAAAAAAAAAAAAAAAAAAAAAAAAAAAZAAAAAEAAABAAAAAAAAAAAAAAAAAAAAAAAAAAAAAAAAAAAAAAAAAAAAAAAAAAAAAAAAAAAAAAAAAAAAAAAAAAAAAAAAAAAAAAAAAAAAAAAAAAAAAAAAAAAAAAAAAAAAAFAAAADwAAAAAAAAAAAAAAAAAAAkUAAAAAQAAABQAAAAUAAAAFAAAAAEAAAAAAAAAZAAAAGQAAAAAAAAAZAAAAGQAAAAVAAAAYAAAAAAAAAAAAAAADwAAACADAAAAAAAAAAAAAAEAAACgMgAAVgcAAKr4//8BAAAAf39/AAEAAABkAAAAAAAAABQAAABAHwAAAAAAACYAAAAAAAAAwOD//wAAAAAmAAAAZAAAABYAAABMAAAAAAAAAAAAAAAEAAAAAAAAAAEAAADn5uYKAAAAACgAAAAoAAAAZAAAAGQAAAAAAAAAzMzMAAAAAABQAAAAUAAAAGQAAABkAAAAAAAAABcAAAAUAAAAAAAAAAAAAAD/fwAA/38AAAAAAAAJAAAABAAAAAAAAAAeAAAAaAAAAAAAAAAAAAAAAAAAAAAAAAAAAAAAECcAABAnAAAAAAAAAAAAAAAAAAAAAAAAAAAAAAAAAAAAAAAAAAAAABQAAAAAAAAAwMD/AAAAAABkAAAAMgAAAAAAAABkAAAAAAAAAH9/fwAKAAAAIgAAABgAAAAAAAAAAAAAAAAAAAAAAAAAAAAAAAAAAAAkAAAAJAAAAAAAAAAHAAAAAAAAAAAAAAAAAAAAAAAAAAAAAAAAAAAAf39/ACUAAABYAAAAAAAAAAAAAAAAAAAAAAAAAAAAAAAAAAAAAAAAAAAAAAAAAAAAAAAAAAAAAAA/AAAAAAAAAKCGAQAAAAAAAAAAAAAAAAAMAAAAAQAAAAAAAAAAAAAAAAAAAB8AAABUAAAAAAAABQAAAAEAAAAAAAAAAAAAAAAAAAAAAAAAAAAAAAAAAAAAAAAAAAAAAAJ/f38AAAAAA8zMzADAwP8Af39/AAAAAAAAAAAAAAAAAAAAAAAAAAAAIQAAABgAAAAUAAAArDUAAD8CAADYRQAAACYAABAAAAAmAAAACAAAAAMAAAAAAAAAMAAAABQAAAAAAAAAAAD//wAAAQAAAP//AAABAA=="/>
               </a:ext>
             </a:extLst>
           </p:cNvSpPr>
@@ -2048,7 +1877,7 @@
             <a:spLocks noGrp="1" noChangeArrowheads="1"/>
             <a:extLst>
               <a:ext uri="smNativeData">
-                <pr:smNativeData xmlns:pr="smNativeData" xmlns="smNativeData" val="SMDATA_16_xzE7ZxMAAAAlAAAAZAAAAA0AAAAAkAAAAEgAAACQAAAASAAAAAAAAAAAAAAAAQAAAAEAAABQAAAAAAAAAAAA4D8AAAAAAADgPwAAAAAAAOA/AAAAAAAA4D8AAAAAAADgPwAAAAAAAOA/AAAAAAAA4D8AAAAAAADgPwAAAAAAAOA/AAAAAAAA4D8CAAAAjAAAAAAAAAAAAAAARHLEDP///wgAAAAAAAAAAAAAAAAAAAAAAAAAAAAAAAAAAAAAZAAAAAEAAABAAAAAAAAAAAAAAAAAAAAAAAAAAAAAAAAAAAAAAAAAAAAAAAAAAAAAAAAAAAAAAAAAAAAAAAAAAAAAAAAAAAAAAAAAAAAAAAAAAAAAAAAAAAAAAAAAAAAAFAAAADwAAAAAAAAAAAAAAAAAAAkUAAAAAQAAABQAAAAUAAAAFAAAAAEAAAAAAAAAZAAAAGQAAAAAAAAAZAAAAGQAAAAVAAAAYAAAAAAAAAAAAAAADwAAACADAAAAAAAAAAAAAAEAAACgMgAAVgcAAKr4//8BAAAAf39/AAEAAABkAAAAAAAAABQAAABAHwAAAAAAACYAAAAAAAAAwOD//wAAAAAmAAAAZAAAABYAAABMAAAAAAAAAAAAAAAEAAAAAAAAAAEAAADn5uYKAAAAACgAAAAoAAAAZAAAAGQAAAAAAAAAzMzMAAAAAABQAAAAUAAAAGQAAABkAAAAAAAAABcAAAAUAAAAAAAAAAAAAAD/fwAA/38AAAAAAAAJAAAABAAAAAAAAAAeAAAAaAAAAAAAAAAAAAAAAAAAAAAAAAAAAAAAECcAABAnAAAAAAAAAAAAAAAAAAAAAAAAAAAAAAAAAAAAAAAAAAAAABQAAAAAAAAAwMD/AAAAAABkAAAAMgAAAAAAAABkAAAAAAAAAH9/fwAKAAAAIgAAABgAAAAAAAAAAAAAAAAAAAAAAAAAAAAAAAAAAAAkAAAAJAAAAAAAAAAHAAAAAAAAAAAAAAAAAAAAAAAAAAAAAAAAAAAAf39/ACUAAABYAAAAAAAAAAAAAAAAAAAAAAAAAAAAAAAAAAAAAAAAAAAAAAAAAAAAAAAAAAAAAAA/AAAAAAAAAKCGAQAAAAAAAAAAAAAAAAAMAAAAAQAAAAAAAAAAAAAAAAAAAB8AAABUAAAAAAAABQAAAAEAAAAAAAAAAAAAAAAAAAAAAAAAAAAAAAAAAAAAAAAAAAAAAAJ/f38AAAAAA8zMzADAwP8Af39/AAAAAAAAAAAAAAAAAAAAAAAAAAAAIQAAABgAAAAUAAAAKAUAAD8CAAC8NAAAACYAABAAAAAmAAAACAAAAAMAAAAAAAAAMAAAABQAAAAAAAAAAAD//wAAAQAAAP//AAABAA=="/>
+                <pr:smNativeData xmlns:mc="http://schemas.openxmlformats.org/markup-compatibility/2006" xmlns:p14="http://schemas.microsoft.com/office/powerpoint/2010/main" xmlns:p15="http://schemas.microsoft.com/office/powerpoint/2012/main" xmlns:pr="smNativeData" xmlns="smNativeData" val="SMDATA_16_xzE7ZxMAAAAlAAAAZAAAAA0AAAAAkAAAAEgAAACQAAAASAAAAAAAAAAAAAAAAQAAAAEAAABQAAAAAAAAAAAA4D8AAAAAAADgPwAAAAAAAOA/AAAAAAAA4D8AAAAAAADgPwAAAAAAAOA/AAAAAAAA4D8AAAAAAADgPwAAAAAAAOA/AAAAAAAA4D8CAAAAjAAAAAAAAAAAAAAARHLEDP///wgAAAAAAAAAAAAAAAAAAAAAAAAAAAAAAAAAAAAAZAAAAAEAAABAAAAAAAAAAAAAAAAAAAAAAAAAAAAAAAAAAAAAAAAAAAAAAAAAAAAAAAAAAAAAAAAAAAAAAAAAAAAAAAAAAAAAAAAAAAAAAAAAAAAAAAAAAAAAAAAAAAAAFAAAADwAAAAAAAAAAAAAAAAAAAkUAAAAAQAAABQAAAAUAAAAFAAAAAEAAAAAAAAAZAAAAGQAAAAAAAAAZAAAAGQAAAAVAAAAYAAAAAAAAAAAAAAADwAAACADAAAAAAAAAAAAAAEAAACgMgAAVgcAAKr4//8BAAAAf39/AAEAAABkAAAAAAAAABQAAABAHwAAAAAAACYAAAAAAAAAwOD//wAAAAAmAAAAZAAAABYAAABMAAAAAAAAAAAAAAAEAAAAAAAAAAEAAADn5uYKAAAAACgAAAAoAAAAZAAAAGQAAAAAAAAAzMzMAAAAAABQAAAAUAAAAGQAAABkAAAAAAAAABcAAAAUAAAAAAAAAAAAAAD/fwAA/38AAAAAAAAJAAAABAAAAAAAAAAeAAAAaAAAAAAAAAAAAAAAAAAAAAAAAAAAAAAAECcAABAnAAAAAAAAAAAAAAAAAAAAAAAAAAAAAAAAAAAAAAAAAAAAABQAAAAAAAAAwMD/AAAAAABkAAAAMgAAAAAAAABkAAAAAAAAAH9/fwAKAAAAIgAAABgAAAAAAAAAAAAAAAAAAAAAAAAAAAAAAAAAAAAkAAAAJAAAAAAAAAAHAAAAAAAAAAAAAAAAAAAAAAAAAAAAAAAAAAAAf39/ACUAAABYAAAAAAAAAAAAAAAAAAAAAAAAAAAAAAAAAAAAAAAAAAAAAAAAAAAAAAAAAAAAAAA/AAAAAAAAAKCGAQAAAAAAAAAAAAAAAAAMAAAAAQAAAAAAAAAAAAAAAAAAAB8AAABUAAAAAAAABQAAAAEAAAAAAAAAAAAAAAAAAAAAAAAAAAAAAAAAAAAAAAAAAAAAAAJ/f38AAAAAA8zMzADAwP8Af39/AAAAAAAAAAAAAAAAAAAAAAAAAAAAIQAAABgAAAAUAAAAKAUAAD8CAAC8NAAAACYAABAAAAAmAAAACAAAAAMAAAAAAAAAMAAAABQAAAAAAAAAAAD//wAAAQAAAP//AAABAA=="/>
               </a:ext>
             </a:extLst>
           </p:cNvSpPr>
@@ -2118,7 +1947,7 @@
             <a:spLocks noGrp="1" noChangeArrowheads="1"/>
             <a:extLst>
               <a:ext uri="smNativeData">
-                <pr:smNativeData xmlns:pr="smNativeData" xmlns="smNativeData" val="SMDATA_16_xzE7ZxMAAAAlAAAAZAAAAA0AAAAAkAAAAEgAAACQAAAASAAAAAAAAAABAAAAAAAAAAEAAABQAAAAAAAAAAAA4D8AAAAAAADgPwAAAAAAAOA/AAAAAAAA4D8AAAAAAADgPwAAAAAAAOA/AAAAAAAA4D8AAAAAAADgPwAAAAAAAOA/AAAAAAAA4D8CAAAAjAAAAAAAAAAAAAAARHLEDP///wgAAAAAAAAAAAAAAAAAAAAAAAAAAAAAAAAAAAAAZAAAAAEAAABAAAAAAAAAAAAAAAAAAAAAAAAAAAAAAAAAAAAAAAAAAAAAAAAAAAAAAAAAAAAAAAAAAAAAAAAAAAAAAAAAAAAAAAAAAAAAAAAAAAAAAAAAAAAAAAAAAAAAFAAAADwAAAAAAAAAAAAAAAAAAAkUAAAAAQAAABQAAAAUAAAAFAAAAAEAAAAAAAAAZAAAAGQAAAAAAAAAZAAAAGQAAAAVAAAAYAAAAAAAAAAAAAAADwAAACADAAAAAAAAAAAAAAEAAACgMgAAVgcAAKr4//8BAAAAf39/AAEAAABkAAAAAAAAABQAAABAHwAAAAAAACYAAAAAAAAAwOD//wAAAAAmAAAAZAAAABYAAABMAAAAAAAAAAAAAAAEAAAAAAAAAAEAAADn5uYKAAAAACgAAAAoAAAAZAAAAGQAAAAAAAAAzMzMAAAAAABQAAAAUAAAAGQAAABkAAAAAAAAABcAAAAUAAAAAAAAAAAAAAD/fwAA/38AAAAAAAAJAAAABAAAAAAAAAAeAAAAaAAAAAAAAAAAAAAAAAAAAAAAAAAAAAAAECcAABAnAAAAAAAAAAAAAAAAAAAAAAAAAAAAAAAAAAAAAAAAAAAAABQAAAAAAAAAwMD/AAAAAABkAAAAMgAAAAAAAABkAAAAAAAAAH9/fwAKAAAAIgAAABgAAAAAAAAAAAAAAAAAAAAAAAAAAAAAAAAAAAAkAAAAJAAAAAAAAAAHAAAAAAAAAAAAAAAAAAAAAAAAAAAAAAAAAAAAf39/ACUAAABYAAAAAAAAAAAAAAAAAAAAAAAAAAAAAAAAAAAAAAAAAAAAAAAAAAAAAAAAAAAAAAA/AAAAAAAAAKCGAQAAAAAAAAAAAAAAAAAMAAAAAQAAAAAAAAAAAAAAAAAAAB8AAABUAAAAAAAABQAAAAEAAAAAAAAAAAAAAAAAAAAAAAAAAAAAAAAAAAAAAAAAAAAAAAJ/f38AAAAAA8zMzADAwP8Af39/AAAAAAAAAAAAAAAAAAAAAAAAAAAAIQAAABgAAAAUAAAAKAUAABonAAAIFgAAWSkAABAAAAAmAAAACAAAAAAAAAAAAAAAMAAAABQAAAAAAAAAAAD//wAAAQAAAP//AAABAA=="/>
+                <pr:smNativeData xmlns:mc="http://schemas.openxmlformats.org/markup-compatibility/2006" xmlns:p14="http://schemas.microsoft.com/office/powerpoint/2010/main" xmlns:p15="http://schemas.microsoft.com/office/powerpoint/2012/main" xmlns:pr="smNativeData" xmlns="smNativeData" val="SMDATA_16_xzE7ZxMAAAAlAAAAZAAAAA0AAAAAkAAAAEgAAACQAAAASAAAAAAAAAABAAAAAAAAAAEAAABQAAAAAAAAAAAA4D8AAAAAAADgPwAAAAAAAOA/AAAAAAAA4D8AAAAAAADgPwAAAAAAAOA/AAAAAAAA4D8AAAAAAADgPwAAAAAAAOA/AAAAAAAA4D8CAAAAjAAAAAAAAAAAAAAARHLEDP///wgAAAAAAAAAAAAAAAAAAAAAAAAAAAAAAAAAAAAAZAAAAAEAAABAAAAAAAAAAAAAAAAAAAAAAAAAAAAAAAAAAAAAAAAAAAAAAAAAAAAAAAAAAAAAAAAAAAAAAAAAAAAAAAAAAAAAAAAAAAAAAAAAAAAAAAAAAAAAAAAAAAAAFAAAADwAAAAAAAAAAAAAAAAAAAkUAAAAAQAAABQAAAAUAAAAFAAAAAEAAAAAAAAAZAAAAGQAAAAAAAAAZAAAAGQAAAAVAAAAYAAAAAAAAAAAAAAADwAAACADAAAAAAAAAAAAAAEAAACgMgAAVgcAAKr4//8BAAAAf39/AAEAAABkAAAAAAAAABQAAABAHwAAAAAAACYAAAAAAAAAwOD//wAAAAAmAAAAZAAAABYAAABMAAAAAAAAAAAAAAAEAAAAAAAAAAEAAADn5uYKAAAAACgAAAAoAAAAZAAAAGQAAAAAAAAAzMzMAAAAAABQAAAAUAAAAGQAAABkAAAAAAAAABcAAAAUAAAAAAAAAAAAAAD/fwAA/38AAAAAAAAJAAAABAAAAAAAAAAeAAAAaAAAAAAAAAAAAAAAAAAAAAAAAAAAAAAAECcAABAnAAAAAAAAAAAAAAAAAAAAAAAAAAAAAAAAAAAAAAAAAAAAABQAAAAAAAAAwMD/AAAAAABkAAAAMgAAAAAAAABkAAAAAAAAAH9/fwAKAAAAIgAAABgAAAAAAAAAAAAAAAAAAAAAAAAAAAAAAAAAAAAkAAAAJAAAAAAAAAAHAAAAAAAAAAAAAAAAAAAAAAAAAAAAAAAAAAAAf39/ACUAAABYAAAAAAAAAAAAAAAAAAAAAAAAAAAAAAAAAAAAAAAAAAAAAAAAAAAAAAAAAAAAAAA/AAAAAAAAAKCGAQAAAAAAAAAAAAAAAAAMAAAAAQAAAAAAAAAAAAAAAAAAAB8AAABUAAAAAAAABQAAAAEAAAAAAAAAAAAAAAAAAAAAAAAAAAAAAAAAAAAAAAAAAAAAAAJ/f38AAAAAA8zMzADAwP8Af39/AAAAAAAAAAAAAAAAAAAAAAAAAAAAIQAAABgAAAAUAAAAKAUAABonAAAIFgAAWSkAABAAAAAmAAAACAAAAAAAAAAAAAAAMAAAABQAAAAAAAAAAAD//wAAAQAAAP//AAABAA=="/>
               </a:ext>
             </a:extLst>
           </p:cNvSpPr>
@@ -2135,8 +1964,9 @@
               <a:defRPr lang="ru-ru"/>
             </a:pPr>
             <a:fld id="{3BC5C07F-31D6-9036-987D-C7638E336E92}" type="datetime1">
-              <a:t>18.11.2024</a:t>
+              <a:t>20.11.2024</a:t>
             </a:fld>
+            <a:endParaRPr/>
           </a:p>
         </p:txBody>
       </p:sp>
@@ -2147,7 +1977,7 @@
             <a:spLocks noGrp="1" noChangeArrowheads="1"/>
             <a:extLst>
               <a:ext uri="smNativeData">
-                <pr:smNativeData xmlns:pr="smNativeData" xmlns="smNativeData" val="SMDATA_16_xzE7ZxMAAAAlAAAAZAAAAA0AAAAAkAAAAEgAAACQAAAASAAAAAAAAAABAAAAAAAAAAEAAABQAAAAAAAAAAAA4D8AAAAAAADgPwAAAAAAAOA/AAAAAAAA4D8AAAAAAADgPwAAAAAAAOA/AAAAAAAA4D8AAAAAAADgPwAAAAAAAOA/AAAAAAAA4D8CAAAAjAAAAAAAAAAAAAAARHLEDP///wgAAAAAAAAAAAAAAAAAAAAAAAAAAAAAAAAAAAAAZAAAAAEAAABAAAAAAAAAAAAAAAAAAAAAAAAAAAAAAAAAAAAAAAAAAAAAAAAAAAAAAAAAAAAAAAAAAAAAAAAAAAAAAAAAAAAAAAAAAAAAAAAAAAAAAAAAAAAAAAAAAAAAFAAAADwAAAAAAAAAAAAAAAAAAAkUAAAAAQAAABQAAAAUAAAAFAAAAAEAAAAAAAAAZAAAAGQAAAAAAAAAZAAAAGQAAAAVAAAAYAAAAAAAAAAAAAAADwAAACADAAAAAAAAAAAAAAEAAACgMgAAVgcAAKr4//8BAAAAf39/AAEAAABkAAAAAAAAABQAAABAHwAAAAAAACYAAAAAAAAAwOD//wAAAAAmAAAAZAAAABYAAABMAAAAAAAAAAAAAAAEAAAAAAAAAAEAAADn5uYKAAAAACgAAAAoAAAAZAAAAGQAAAAAAAAAzMzMAAAAAABQAAAAUAAAAGQAAABkAAAAAAAAABcAAAAUAAAAAAAAAAAAAAD/fwAA/38AAAAAAAAJAAAABAAAAACAAIAeAAAAaAAAAAAAAAAAAAAAAAAAAAAAAAAAAAAAECcAABAnAAAAAAAAAAAAAAAAAAAAAAAAAAAAAAAAAAAAAAAAAAAAABQAAAAAAAAAwMD/AAAAAABkAAAAMgAAAAAAAABkAAAAAAAAAH9/fwAKAAAAIgAAABgAAAAAAAAAAAAAAAAAAAAAAAAAAAAAAAAAAAAkAAAAJAAAAAAAAAAHAAAAAAAAAAAAAAAAAAAAAAAAAAAAAAAAAAAAf39/ACUAAABYAAAAAAAAAAAAAAAAAAAAAAAAAAAAAAAAAAAAAAAAAAAAAAAAAAAAAAAAAAAAAAA/AAAAAAAAAKCGAQAAAAAAAAAAAAAAAAAMAAAAAQAAAAAAAAAAAAAAAAAAAB8AAABUAAAAAAAABQAAAAEAAAAAAAAAAAAAAAAAAAAAAAAAAAAAAAAAAAAAAAAAAAAAAAJ/f38AAAAAA8zMzADAwP8Af39/AAAAAAAAAAAAAAAAAAAAAAAAAAAAIQAAABgAAAAUAAAA2BgAABonAAAoMgAAWSkAABAAAAAmAAAACAAAAAAAAAAAAAAAMAAAABQAAAAAAAAAAAD//wAAAQAAAP//AAABAA=="/>
+                <pr:smNativeData xmlns:mc="http://schemas.openxmlformats.org/markup-compatibility/2006" xmlns:p14="http://schemas.microsoft.com/office/powerpoint/2010/main" xmlns:p15="http://schemas.microsoft.com/office/powerpoint/2012/main" xmlns:pr="smNativeData" xmlns="smNativeData" val="SMDATA_16_xzE7ZxMAAAAlAAAAZAAAAA0AAAAAkAAAAEgAAACQAAAASAAAAAAAAAABAAAAAAAAAAEAAABQAAAAAAAAAAAA4D8AAAAAAADgPwAAAAAAAOA/AAAAAAAA4D8AAAAAAADgPwAAAAAAAOA/AAAAAAAA4D8AAAAAAADgPwAAAAAAAOA/AAAAAAAA4D8CAAAAjAAAAAAAAAAAAAAARHLEDP///wgAAAAAAAAAAAAAAAAAAAAAAAAAAAAAAAAAAAAAZAAAAAEAAABAAAAAAAAAAAAAAAAAAAAAAAAAAAAAAAAAAAAAAAAAAAAAAAAAAAAAAAAAAAAAAAAAAAAAAAAAAAAAAAAAAAAAAAAAAAAAAAAAAAAAAAAAAAAAAAAAAAAAFAAAADwAAAAAAAAAAAAAAAAAAAkUAAAAAQAAABQAAAAUAAAAFAAAAAEAAAAAAAAAZAAAAGQAAAAAAAAAZAAAAGQAAAAVAAAAYAAAAAAAAAAAAAAADwAAACADAAAAAAAAAAAAAAEAAACgMgAAVgcAAKr4//8BAAAAf39/AAEAAABkAAAAAAAAABQAAABAHwAAAAAAACYAAAAAAAAAwOD//wAAAAAmAAAAZAAAABYAAABMAAAAAAAAAAAAAAAEAAAAAAAAAAEAAADn5uYKAAAAACgAAAAoAAAAZAAAAGQAAAAAAAAAzMzMAAAAAABQAAAAUAAAAGQAAABkAAAAAAAAABcAAAAUAAAAAAAAAAAAAAD/fwAA/38AAAAAAAAJAAAABAAAAACAAIAeAAAAaAAAAAAAAAAAAAAAAAAAAAAAAAAAAAAAECcAABAnAAAAAAAAAAAAAAAAAAAAAAAAAAAAAAAAAAAAAAAAAAAAABQAAAAAAAAAwMD/AAAAAABkAAAAMgAAAAAAAABkAAAAAAAAAH9/fwAKAAAAIgAAABgAAAAAAAAAAAAAAAAAAAAAAAAAAAAAAAAAAAAkAAAAJAAAAAAAAAAHAAAAAAAAAAAAAAAAAAAAAAAAAAAAAAAAAAAAf39/ACUAAABYAAAAAAAAAAAAAAAAAAAAAAAAAAAAAAAAAAAAAAAAAAAAAAAAAAAAAAAAAAAAAAA/AAAAAAAAAKCGAQAAAAAAAAAAAAAAAAAMAAAAAQAAAAAAAAAAAAAAAAAAAB8AAABUAAAAAAAABQAAAAEAAAAAAAAAAAAAAAAAAAAAAAAAAAAAAAAAAAAAAAAAAAAAAAJ/f38AAAAAA8zMzADAwP8Af39/AAAAAAAAAAAAAAAAAAAAAAAAAAAAIQAAABgAAAAUAAAA2BgAABonAAAoMgAAWSkAABAAAAAmAAAACAAAAAAAAAAAAAAAMAAAABQAAAAAAAAAAAD//wAAAQAAAP//AAABAA=="/>
               </a:ext>
             </a:extLst>
           </p:cNvSpPr>
@@ -2163,6 +1993,7 @@
             <a:pPr>
               <a:defRPr lang="ru-ru"/>
             </a:pPr>
+            <a:endParaRPr/>
           </a:p>
         </p:txBody>
       </p:sp>
@@ -2173,7 +2004,7 @@
             <a:spLocks noGrp="1" noChangeArrowheads="1"/>
             <a:extLst>
               <a:ext uri="smNativeData">
-                <pr:smNativeData xmlns:pr="smNativeData" xmlns="smNativeData" val="SMDATA_16_xzE7ZxMAAAAlAAAAZAAAAA0AAAAAkAAAAEgAAACQAAAASAAAAAAAAAABAAAAAAAAAAEAAABQAAAAAAAAAAAA4D8AAAAAAADgPwAAAAAAAOA/AAAAAAAA4D8AAAAAAADgPwAAAAAAAOA/AAAAAAAA4D8AAAAAAADgPwAAAAAAAOA/AAAAAAAA4D8CAAAAjAAAAAAAAAAAAAAARHLEDP///wgAAAAAAAAAAAAAAAAAAAAAAAAAAAAAAAAAAAAAZAAAAAEAAABAAAAAAAAAAAAAAAAAAAAAAAAAAAAAAAAAAAAAAAAAAAAAAAAAAAAAAAAAAAAAAAAAAAAAAAAAAAAAAAAAAAAAAAAAAAAAAAAAAAAAAAAAAAAAAAAAAAAAFAAAADwAAAAAAAAAAAAAAAAAAAkUAAAAAQAAABQAAAAUAAAAFAAAAAEAAAAAAAAAZAAAAGQAAAAAAAAAZAAAAGQAAAAVAAAAYAAAAAAAAAAAAAAADwAAACADAAAAAAAAAAAAAAEAAACgMgAAVgcAAKr4//8BAAAAf39/AAEAAABkAAAAAAAAABQAAABAHwAAAAAAACYAAAAAAAAAwOD//wAAAAAmAAAAZAAAABYAAABMAAAAAAAAAAAAAAAEAAAAAAAAAAEAAADn5uYKAAAAACgAAAAoAAAAZAAAAGQAAAAAAAAAzMzMAAAAAABQAAAAUAAAAGQAAABkAAAAAAAAABcAAAAUAAAAAAAAAAAAAAD/fwAA/38AAAAAAAAJAAAABAAAAAAAAAAeAAAAaAAAAAAAAAAAAAAAAAAAAAAAAAAAAAAAECcAABAnAAAAAAAAAAAAAAAAAAAAAAAAAAAAAAAAAAAAAAAAAAAAABQAAAAAAAAAwMD/AAAAAABkAAAAMgAAAAAAAABkAAAAAAAAAH9/fwAKAAAAIgAAABgAAAAAAAAAAAAAAAAAAAAAAAAAAAAAAAAAAAAkAAAAJAAAAAAAAAAHAAAAAAAAAAAAAAAAAAAAAAAAAAAAAAAAAAAAf39/ACUAAABYAAAAAAAAAAAAAAAAAAAAAAAAAAAAAAAAAAAAAAAAAAAAAAAAAAAAAAAAAAAAAAA/AAAAAAAAAKCGAQAAAAAAAAAAAAAAAAAMAAAAAQAAAAAAAAAAAAAAAAAAAB8AAABUAAAAAAAABQAAAAEAAAAAAAAAAAAAAAAAAAAAAAAAAAAAAAAAAAAAAAAAAAAAAAJ/f38AAAAAA8zMzADAwP8Af39/AAAAAAAAAAAAAAAAAAAAAAAAAAAAIQAAABgAAAAUAAAA+DQAABonAADYRQAAWSkAABAAAAAmAAAACAAAAAAAAAAAAAAAMAAAABQAAAAAAAAAAAD//wAAAQAAAP//AAABAA=="/>
+                <pr:smNativeData xmlns:mc="http://schemas.openxmlformats.org/markup-compatibility/2006" xmlns:p14="http://schemas.microsoft.com/office/powerpoint/2010/main" xmlns:p15="http://schemas.microsoft.com/office/powerpoint/2012/main" xmlns:pr="smNativeData" xmlns="smNativeData" val="SMDATA_16_xzE7ZxMAAAAlAAAAZAAAAA0AAAAAkAAAAEgAAACQAAAASAAAAAAAAAABAAAAAAAAAAEAAABQAAAAAAAAAAAA4D8AAAAAAADgPwAAAAAAAOA/AAAAAAAA4D8AAAAAAADgPwAAAAAAAOA/AAAAAAAA4D8AAAAAAADgPwAAAAAAAOA/AAAAAAAA4D8CAAAAjAAAAAAAAAAAAAAARHLEDP///wgAAAAAAAAAAAAAAAAAAAAAAAAAAAAAAAAAAAAAZAAAAAEAAABAAAAAAAAAAAAAAAAAAAAAAAAAAAAAAAAAAAAAAAAAAAAAAAAAAAAAAAAAAAAAAAAAAAAAAAAAAAAAAAAAAAAAAAAAAAAAAAAAAAAAAAAAAAAAAAAAAAAAFAAAADwAAAAAAAAAAAAAAAAAAAkUAAAAAQAAABQAAAAUAAAAFAAAAAEAAAAAAAAAZAAAAGQAAAAAAAAAZAAAAGQAAAAVAAAAYAAAAAAAAAAAAAAADwAAACADAAAAAAAAAAAAAAEAAACgMgAAVgcAAKr4//8BAAAAf39/AAEAAABkAAAAAAAAABQAAABAHwAAAAAAACYAAAAAAAAAwOD//wAAAAAmAAAAZAAAABYAAABMAAAAAAAAAAAAAAAEAAAAAAAAAAEAAADn5uYKAAAAACgAAAAoAAAAZAAAAGQAAAAAAAAAzMzMAAAAAABQAAAAUAAAAGQAAABkAAAAAAAAABcAAAAUAAAAAAAAAAAAAAD/fwAA/38AAAAAAAAJAAAABAAAAAAAAAAeAAAAaAAAAAAAAAAAAAAAAAAAAAAAAAAAAAAAECcAABAnAAAAAAAAAAAAAAAAAAAAAAAAAAAAAAAAAAAAAAAAAAAAABQAAAAAAAAAwMD/AAAAAABkAAAAMgAAAAAAAABkAAAAAAAAAH9/fwAKAAAAIgAAABgAAAAAAAAAAAAAAAAAAAAAAAAAAAAAAAAAAAAkAAAAJAAAAAAAAAAHAAAAAAAAAAAAAAAAAAAAAAAAAAAAAAAAAAAAf39/ACUAAABYAAAAAAAAAAAAAAAAAAAAAAAAAAAAAAAAAAAAAAAAAAAAAAAAAAAAAAAAAAAAAAA/AAAAAAAAAKCGAQAAAAAAAAAAAAAAAAAMAAAAAQAAAAAAAAAAAAAAAAAAAB8AAABUAAAAAAAABQAAAAEAAAAAAAAAAAAAAAAAAAAAAAAAAAAAAAAAAAAAAAAAAAAAAAJ/f38AAAAAA8zMzADAwP8Af39/AAAAAAAAAAAAAAAAAAAAAAAAAAAAIQAAABgAAAAUAAAA+DQAABonAADYRQAAWSkAABAAAAAmAAAACAAAAAAAAAAAAAAAMAAAABQAAAAAAAAAAAD//wAAAQAAAP//AAABAA=="/>
               </a:ext>
             </a:extLst>
           </p:cNvSpPr>
@@ -2192,6 +2023,7 @@
             <a:fld id="{3BC5ECAA-E4D6-901A-987D-124FA2336E47}" type="slidenum">
               <a:t>‹#›</a:t>
             </a:fld>
+            <a:endParaRPr/>
           </a:p>
         </p:txBody>
       </p:sp>
@@ -2205,7 +2037,7 @@
 </file>
 
 <file path=ppt/slideLayouts/slideLayout2.xml><?xml version="1.0" encoding="utf-8"?>
-<p:sldLayout xmlns:p="http://schemas.openxmlformats.org/presentationml/2006/main" xmlns:mc="http://schemas.openxmlformats.org/markup-compatibility/2006" xmlns:p14="http://schemas.microsoft.com/office/powerpoint/2010/main" xmlns:p15="http://schemas.microsoft.com/office/powerpoint/2012/main" xmlns:r="http://schemas.openxmlformats.org/officeDocument/2006/relationships" xmlns:a="http://schemas.openxmlformats.org/drawingml/2006/main" type="obj" preserve="1">
+<p:sldLayout xmlns:a="http://schemas.openxmlformats.org/drawingml/2006/main" xmlns:r="http://schemas.openxmlformats.org/officeDocument/2006/relationships" xmlns:p="http://schemas.openxmlformats.org/presentationml/2006/main" type="obj" preserve="1">
   <p:cSld name="Заголовок и объект">
     <p:spTree>
       <p:nvGrpSpPr>
@@ -2228,7 +2060,7 @@
             <a:spLocks noGrp="1" noChangeArrowheads="1"/>
             <a:extLst>
               <a:ext uri="smNativeData">
-                <pr:smNativeData xmlns:pr="smNativeData" xmlns="smNativeData" val="SMDATA_16_xzE7ZxMAAAAlAAAAZAAAAA0AAAAAkAAAAEgAAACQAAAASAAAAAAAAAABAAAAAAAAAAEAAABQAAAAAAAAAAAA4D8AAAAAAADgPwAAAAAAAOA/AAAAAAAA4D8AAAAAAADgPwAAAAAAAOA/AAAAAAAA4D8AAAAAAADgPwAAAAAAAOA/AAAAAAAA4D8CAAAAjAAAAAAAAAAAAAAARHLEDP///wgAAAAAAAAAAAAAAAAAAAAAAAAAAAAAAAAAAAAAZAAAAAEAAABAAAAAAAAAAAAAAAAAAAAAAAAAAAAAAAAAAAAAAAAAAAAAAAAAAAAAAAAAAAAAAAAAAAAAAAAAAAAAAAAAAAAAAAAAAAAAAAAAAAAAAAAAAAAAAAAAAAAAFAAAADwAAAAAAAAAAAAAAAAAAAkUAAAAAQAAABQAAAAUAAAAFAAAAAEAAAAAAAAAZAAAAGQAAAAAAAAAZAAAAGQAAAAVAAAAYAAAAAAAAAAAAAAADwAAACADAAAAAAAAAAAAAAEAAACgMgAAVgcAAKr4//8BAAAAf39/AAEAAABkAAAAAAAAABQAAABAHwAAAAAAACYAAAAAAAAAwOD//wAAAAAmAAAAZAAAABYAAABMAAAAAAAAAAAAAAAEAAAAAAAAAAEAAADn5uYKAAAAACgAAAAoAAAAZAAAAGQAAAAAAAAAzMzMAAAAAABQAAAAUAAAAGQAAABkAAAAAAAAABcAAAAUAAAAAAAAAAAAAAD/fwAA/38AAAAAAAAJAAAABAAAAAAAAAAeAAAAaAAAAAAAAAAAAAAAAAAAAAAAAAAAAAAAECcAABAnAAAAAAAAAAAAAAAAAAAAAAAAAAAAAAAAAAAAAAAAAAAAABQAAAAAAAAAwMD/AAAAAABkAAAAMgAAAAAAAABkAAAAAAAAAH9/fwAKAAAAIgAAABgAAAAAAAAAAAAAAAAAAAAAAAAAAAAAAAAAAAAkAAAAJAAAAAAAAAAHAAAAAAAAAAAAAAAAAAAAAAAAAAAAAAAAAAAAf39/ACUAAABYAAAAAAAAAAAAAAAAAAAAAAAAAAAAAAAAAAAAAAAAAAAAAAAAAAAAAAAAAAAAAAA/AAAAAAAAAKCGAQAAAAAAAAAAAAAAAAAMAAAAAQAAAAAAAAAAAAAAAAAAAB8AAABUAAAAAAAABQAAAAEAAAAAAAAAAAAAAAAAAAAAAAAAAAAAAAAAAAAAAAAAAAAAAAJ/f38AAAAAA8zMzADAwP8Af39/AAAAAAAAAAAAAAAAAAAAAAAAAAAAIQAAABgAAAAUAAAAKAUAAD8CAADYRQAAZwoAABAAAAAmAAAACAAAAAAAAAAAAAAAMAAAABQAAAAAAAAAAAD//wAAAQAAAP//AAABAA=="/>
+                <pr:smNativeData xmlns:mc="http://schemas.openxmlformats.org/markup-compatibility/2006" xmlns:p14="http://schemas.microsoft.com/office/powerpoint/2010/main" xmlns:p15="http://schemas.microsoft.com/office/powerpoint/2012/main" xmlns:pr="smNativeData" xmlns="smNativeData" val="SMDATA_16_xzE7ZxMAAAAlAAAAZAAAAA0AAAAAkAAAAEgAAACQAAAASAAAAAAAAAABAAAAAAAAAAEAAABQAAAAAAAAAAAA4D8AAAAAAADgPwAAAAAAAOA/AAAAAAAA4D8AAAAAAADgPwAAAAAAAOA/AAAAAAAA4D8AAAAAAADgPwAAAAAAAOA/AAAAAAAA4D8CAAAAjAAAAAAAAAAAAAAARHLEDP///wgAAAAAAAAAAAAAAAAAAAAAAAAAAAAAAAAAAAAAZAAAAAEAAABAAAAAAAAAAAAAAAAAAAAAAAAAAAAAAAAAAAAAAAAAAAAAAAAAAAAAAAAAAAAAAAAAAAAAAAAAAAAAAAAAAAAAAAAAAAAAAAAAAAAAAAAAAAAAAAAAAAAAFAAAADwAAAAAAAAAAAAAAAAAAAkUAAAAAQAAABQAAAAUAAAAFAAAAAEAAAAAAAAAZAAAAGQAAAAAAAAAZAAAAGQAAAAVAAAAYAAAAAAAAAAAAAAADwAAACADAAAAAAAAAAAAAAEAAACgMgAAVgcAAKr4//8BAAAAf39/AAEAAABkAAAAAAAAABQAAABAHwAAAAAAACYAAAAAAAAAwOD//wAAAAAmAAAAZAAAABYAAABMAAAAAAAAAAAAAAAEAAAAAAAAAAEAAADn5uYKAAAAACgAAAAoAAAAZAAAAGQAAAAAAAAAzMzMAAAAAABQAAAAUAAAAGQAAABkAAAAAAAAABcAAAAUAAAAAAAAAAAAAAD/fwAA/38AAAAAAAAJAAAABAAAAAAAAAAeAAAAaAAAAAAAAAAAAAAAAAAAAAAAAAAAAAAAECcAABAnAAAAAAAAAAAAAAAAAAAAAAAAAAAAAAAAAAAAAAAAAAAAABQAAAAAAAAAwMD/AAAAAABkAAAAMgAAAAAAAABkAAAAAAAAAH9/fwAKAAAAIgAAABgAAAAAAAAAAAAAAAAAAAAAAAAAAAAAAAAAAAAkAAAAJAAAAAAAAAAHAAAAAAAAAAAAAAAAAAAAAAAAAAAAAAAAAAAAf39/ACUAAABYAAAAAAAAAAAAAAAAAAAAAAAAAAAAAAAAAAAAAAAAAAAAAAAAAAAAAAAAAAAAAAA/AAAAAAAAAKCGAQAAAAAAAAAAAAAAAAAMAAAAAQAAAAAAAAAAAAAAAAAAAB8AAABUAAAAAAAABQAAAAEAAAAAAAAAAAAAAAAAAAAAAAAAAAAAAAAAAAAAAAAAAAAAAAJ/f38AAAAAA8zMzADAwP8Af39/AAAAAAAAAAAAAAAAAAAAAAAAAAAAIQAAABgAAAAUAAAAKAUAAD8CAADYRQAAZwoAABAAAAAmAAAACAAAAAAAAAAAAAAAMAAAABQAAAAAAAAAAAD//wAAAQAAAP//AAABAA=="/>
               </a:ext>
             </a:extLst>
           </p:cNvSpPr>
@@ -2257,7 +2089,7 @@
             <a:spLocks noGrp="1" noChangeArrowheads="1"/>
             <a:extLst>
               <a:ext uri="smNativeData">
-                <pr:smNativeData xmlns:pr="smNativeData" xmlns="smNativeData" val="SMDATA_16_xzE7ZxMAAAAlAAAAZAAAAA0AAAAAkAAAAEgAAACQAAAASAAAAAAAAAAAAAAAAAAAAAEAAABQAAAAAAAAAAAA4D8AAAAAAADgPwAAAAAAAOA/AAAAAAAA4D8AAAAAAADgPwAAAAAAAOA/AAAAAAAA4D8AAAAAAADgPwAAAAAAAOA/AAAAAAAA4D8CAAAAjAAAAAAAAAAAAAAARHLEDP///wgAAAAAAAAAAAAAAAAAAAAAAAAAAAAAAAAAAAAAZAAAAAEAAABAAAAAAAAAAAAAAAAAAAAAAAAAAAAAAAAAAAAAAAAAAAAAAAAAAAAAAAAAAAAAAAAAAAAAAAAAAAAAAAAAAAAAAAAAAAAAAAAAAAAAAAAAAAAAAAAAAAAAFAAAADwAAAAAAAAAAAAAAAAAAAkUAAAAAQAAABQAAAAUAAAAFAAAAAEAAAAAAAAAZAAAAGQAAAAAAAAAZAAAAGQAAAAVAAAAYAAAAAAAAAAAAAAADwAAACADAAAAAAAAAAAAAAEAAACgMgAAVgcAAKr4//8BAAAAf39/AAEAAABkAAAAAAAAABQAAABAHwAAAAAAACYAAAAAAAAAwOD//wAAAAAmAAAAZAAAABYAAABMAAAAAAAAAAAAAAAEAAAAAAAAAAEAAADn5uYKAAAAACgAAAAoAAAAZAAAAGQAAAAAAAAAzMzMAAAAAABQAAAAUAAAAGQAAABkAAAAAAAAABcAAAAUAAAAAAAAAAAAAAD/fwAA/38AAAAAAAAJAAAABAAAANBJKLceAAAAaAAAAAAAAAAAAAAAAAAAAAAAAAAAAAAAECcAABAnAAAAAAAAAAAAAAAAAAAAAAAAAAAAAAAAAAAAAAAAAAAAABQAAAAAAAAAwMD/AAAAAABkAAAAMgAAAAAAAABkAAAAAAAAAH9/fwAKAAAAIgAAABgAAAAAAAAAAAAAAAAAAAAAAAAAAAAAAAAAAAAkAAAAJAAAAAAAAAAHAAAAAAAAAAAAAAAAAAAAAAAAAAAAAAAAAAAAf39/ACUAAABYAAAAAAAAAAAAAAAAAAAAAAAAAAAAAAAAAAAAAAAAAAAAAAAAAAAAAAAAAAAAAAA/AAAAAAAAAKCGAQAAAAAAAAAAAAAAAAAMAAAAAQAAAAAAAAAAAAAAAAAAAB8AAABUAAAAAAAABQAAAAEAAAAAAAAAAAAAAAAAAAAAAAAAAAAAAAAAAAAAAAAAAAAAAAJ/f38AAAAAA8zMzADAwP8Af39/AAAAAAAAAAAAAAAAAAAAAAAAAAAAIQAAABgAAAAUAAAAKAUAADsLAADYRQAAACYAABAAAAAmAAAACAAAAAAAAAAAAAAAMAAAABQAAAAAAAAAAAD//wAAAQAAAP//AAABAA=="/>
+                <pr:smNativeData xmlns:mc="http://schemas.openxmlformats.org/markup-compatibility/2006" xmlns:p14="http://schemas.microsoft.com/office/powerpoint/2010/main" xmlns:p15="http://schemas.microsoft.com/office/powerpoint/2012/main" xmlns:pr="smNativeData" xmlns="smNativeData" val="SMDATA_16_xzE7ZxMAAAAlAAAAZAAAAA0AAAAAkAAAAEgAAACQAAAASAAAAAAAAAAAAAAAAAAAAAEAAABQAAAAAAAAAAAA4D8AAAAAAADgPwAAAAAAAOA/AAAAAAAA4D8AAAAAAADgPwAAAAAAAOA/AAAAAAAA4D8AAAAAAADgPwAAAAAAAOA/AAAAAAAA4D8CAAAAjAAAAAAAAAAAAAAARHLEDP///wgAAAAAAAAAAAAAAAAAAAAAAAAAAAAAAAAAAAAAZAAAAAEAAABAAAAAAAAAAAAAAAAAAAAAAAAAAAAAAAAAAAAAAAAAAAAAAAAAAAAAAAAAAAAAAAAAAAAAAAAAAAAAAAAAAAAAAAAAAAAAAAAAAAAAAAAAAAAAAAAAAAAAFAAAADwAAAAAAAAAAAAAAAAAAAkUAAAAAQAAABQAAAAUAAAAFAAAAAEAAAAAAAAAZAAAAGQAAAAAAAAAZAAAAGQAAAAVAAAAYAAAAAAAAAAAAAAADwAAACADAAAAAAAAAAAAAAEAAACgMgAAVgcAAKr4//8BAAAAf39/AAEAAABkAAAAAAAAABQAAABAHwAAAAAAACYAAAAAAAAAwOD//wAAAAAmAAAAZAAAABYAAABMAAAAAAAAAAAAAAAEAAAAAAAAAAEAAADn5uYKAAAAACgAAAAoAAAAZAAAAGQAAAAAAAAAzMzMAAAAAABQAAAAUAAAAGQAAABkAAAAAAAAABcAAAAUAAAAAAAAAAAAAAD/fwAA/38AAAAAAAAJAAAABAAAANBJKLceAAAAaAAAAAAAAAAAAAAAAAAAAAAAAAAAAAAAECcAABAnAAAAAAAAAAAAAAAAAAAAAAAAAAAAAAAAAAAAAAAAAAAAABQAAAAAAAAAwMD/AAAAAABkAAAAMgAAAAAAAABkAAAAAAAAAH9/fwAKAAAAIgAAABgAAAAAAAAAAAAAAAAAAAAAAAAAAAAAAAAAAAAkAAAAJAAAAAAAAAAHAAAAAAAAAAAAAAAAAAAAAAAAAAAAAAAAAAAAf39/ACUAAABYAAAAAAAAAAAAAAAAAAAAAAAAAAAAAAAAAAAAAAAAAAAAAAAAAAAAAAAAAAAAAAA/AAAAAAAAAKCGAQAAAAAAAAAAAAAAAAAMAAAAAQAAAAAAAAAAAAAAAAAAAB8AAABUAAAAAAAABQAAAAEAAAAAAAAAAAAAAAAAAAAAAAAAAAAAAAAAAAAAAAAAAAAAAAJ/f38AAAAAA8zMzADAwP8Af39/AAAAAAAAAAAAAAAAAAAAAAAAAAAAIQAAABgAAAAUAAAAKAUAADsLAADYRQAAACYAABAAAAAmAAAACAAAAAAAAAAAAAAAMAAAABQAAAAAAAAAAAD//wAAAQAAAP//AAABAA=="/>
               </a:ext>
             </a:extLst>
           </p:cNvSpPr>
@@ -2318,7 +2150,7 @@
             <a:spLocks noGrp="1" noChangeArrowheads="1"/>
             <a:extLst>
               <a:ext uri="smNativeData">
-                <pr:smNativeData xmlns:pr="smNativeData" xmlns="smNativeData" val="SMDATA_16_xzE7ZxMAAAAlAAAAZAAAAA0AAAAAkAAAAEgAAACQAAAASAAAAAAAAAABAAAAAAAAAAEAAABQAAAAAAAAAAAA4D8AAAAAAADgPwAAAAAAAOA/AAAAAAAA4D8AAAAAAADgPwAAAAAAAOA/AAAAAAAA4D8AAAAAAADgPwAAAAAAAOA/AAAAAAAA4D8CAAAAjAAAAAAAAAAAAAAARHLEDP///wgAAAAAAAAAAAAAAAAAAAAAAAAAAAAAAAAAAAAAZAAAAAEAAABAAAAAAAAAAAAAAAAAAAAAAAAAAAAAAAAAAAAAAAAAAAAAAAAAAAAAAAAAAAAAAAAAAAAAAAAAAAAAAAAAAAAAAAAAAAAAAAAAAAAAAAAAAAAAAAAAAAAAFAAAADwAAAAAAAAAAAAAAAAAAAkUAAAAAQAAABQAAAAUAAAAFAAAAAEAAAAAAAAAZAAAAGQAAAAAAAAAZAAAAGQAAAAVAAAAYAAAAAAAAAAAAAAADwAAACADAAAAAAAAAAAAAAEAAACgMgAAVgcAAKr4//8BAAAAf39/AAEAAABkAAAAAAAAABQAAABAHwAAAAAAACYAAAAAAAAAwOD//wAAAAAmAAAAZAAAABYAAABMAAAAAAAAAAAAAAAEAAAAAAAAAAEAAADn5uYKAAAAACgAAAAoAAAAZAAAAGQAAAAAAAAAzMzMAAAAAABQAAAAUAAAAGQAAABkAAAAAAAAABcAAAAUAAAAAAAAAAAAAAD/fwAA/38AAAAAAAAJAAAABAAAAAAAAAAeAAAAaAAAAAAAAAAAAAAAAAAAAAAAAAAAAAAAECcAABAnAAAAAAAAAAAAAAAAAAAAAAAAAAAAAAAAAAAAAAAAAAAAABQAAAAAAAAAwMD/AAAAAABkAAAAMgAAAAAAAABkAAAAAAAAAH9/fwAKAAAAIgAAABgAAAAAAAAAAAAAAAAAAAAAAAAAAAAAAAAAAAAkAAAAJAAAAAAAAAAHAAAAAAAAAAAAAAAAAAAAAAAAAAAAAAAAAAAAf39/ACUAAABYAAAAAAAAAAAAAAAAAAAAAAAAAAAAAAAAAAAAAAAAAAAAAAAAAAAAAAAAAAAAAAA/AAAAAAAAAKCGAQAAAAAAAAAAAAAAAAAMAAAAAQAAAAAAAAAAAAAAAAAAAB8AAABUAAAAAAAABQAAAAEAAAAAAAAAAAAAAAAAAAAAAAAAAAAAAAAAAAAAAAAAAAAAAAJ/f38AAAAAA8zMzADAwP8Af39/AAAAAAAAAAAAAAAAAAAAAAAAAAAAIQAAABgAAAAUAAAAKAUAABonAAAIFgAAWSkAABAAAAAmAAAACAAAAAAAAAAAAAAAMAAAABQAAAAAAAAAAAD//wAAAQAAAP//AAABAA=="/>
+                <pr:smNativeData xmlns:mc="http://schemas.openxmlformats.org/markup-compatibility/2006" xmlns:p14="http://schemas.microsoft.com/office/powerpoint/2010/main" xmlns:p15="http://schemas.microsoft.com/office/powerpoint/2012/main" xmlns:pr="smNativeData" xmlns="smNativeData" val="SMDATA_16_xzE7ZxMAAAAlAAAAZAAAAA0AAAAAkAAAAEgAAACQAAAASAAAAAAAAAABAAAAAAAAAAEAAABQAAAAAAAAAAAA4D8AAAAAAADgPwAAAAAAAOA/AAAAAAAA4D8AAAAAAADgPwAAAAAAAOA/AAAAAAAA4D8AAAAAAADgPwAAAAAAAOA/AAAAAAAA4D8CAAAAjAAAAAAAAAAAAAAARHLEDP///wgAAAAAAAAAAAAAAAAAAAAAAAAAAAAAAAAAAAAAZAAAAAEAAABAAAAAAAAAAAAAAAAAAAAAAAAAAAAAAAAAAAAAAAAAAAAAAAAAAAAAAAAAAAAAAAAAAAAAAAAAAAAAAAAAAAAAAAAAAAAAAAAAAAAAAAAAAAAAAAAAAAAAFAAAADwAAAAAAAAAAAAAAAAAAAkUAAAAAQAAABQAAAAUAAAAFAAAAAEAAAAAAAAAZAAAAGQAAAAAAAAAZAAAAGQAAAAVAAAAYAAAAAAAAAAAAAAADwAAACADAAAAAAAAAAAAAAEAAACgMgAAVgcAAKr4//8BAAAAf39/AAEAAABkAAAAAAAAABQAAABAHwAAAAAAACYAAAAAAAAAwOD//wAAAAAmAAAAZAAAABYAAABMAAAAAAAAAAAAAAAEAAAAAAAAAAEAAADn5uYKAAAAACgAAAAoAAAAZAAAAGQAAAAAAAAAzMzMAAAAAABQAAAAUAAAAGQAAABkAAAAAAAAABcAAAAUAAAAAAAAAAAAAAD/fwAA/38AAAAAAAAJAAAABAAAAAAAAAAeAAAAaAAAAAAAAAAAAAAAAAAAAAAAAAAAAAAAECcAABAnAAAAAAAAAAAAAAAAAAAAAAAAAAAAAAAAAAAAAAAAAAAAABQAAAAAAAAAwMD/AAAAAABkAAAAMgAAAAAAAABkAAAAAAAAAH9/fwAKAAAAIgAAABgAAAAAAAAAAAAAAAAAAAAAAAAAAAAAAAAAAAAkAAAAJAAAAAAAAAAHAAAAAAAAAAAAAAAAAAAAAAAAAAAAAAAAAAAAf39/ACUAAABYAAAAAAAAAAAAAAAAAAAAAAAAAAAAAAAAAAAAAAAAAAAAAAAAAAAAAAAAAAAAAAA/AAAAAAAAAKCGAQAAAAAAAAAAAAAAAAAMAAAAAQAAAAAAAAAAAAAAAAAAAB8AAABUAAAAAAAABQAAAAEAAAAAAAAAAAAAAAAAAAAAAAAAAAAAAAAAAAAAAAAAAAAAAAJ/f38AAAAAA8zMzADAwP8Af39/AAAAAAAAAAAAAAAAAAAAAAAAAAAAIQAAABgAAAAUAAAAKAUAABonAAAIFgAAWSkAABAAAAAmAAAACAAAAAAAAAAAAAAAMAAAABQAAAAAAAAAAAD//wAAAQAAAP//AAABAA=="/>
               </a:ext>
             </a:extLst>
           </p:cNvSpPr>
@@ -2335,8 +2167,9 @@
               <a:defRPr lang="ru-ru"/>
             </a:pPr>
             <a:fld id="{3BC5F897-D9D6-900E-987D-2F5BB6336E7A}" type="datetime1">
-              <a:t/>
+              <a:t>20.11.2024</a:t>
             </a:fld>
+            <a:endParaRPr/>
           </a:p>
         </p:txBody>
       </p:sp>
@@ -2347,7 +2180,7 @@
             <a:spLocks noGrp="1" noChangeArrowheads="1"/>
             <a:extLst>
               <a:ext uri="smNativeData">
-                <pr:smNativeData xmlns:pr="smNativeData" xmlns="smNativeData" val="SMDATA_16_xzE7ZxMAAAAlAAAAZAAAAA0AAAAAkAAAAEgAAACQAAAASAAAAAAAAAABAAAAAAAAAAEAAABQAAAAAAAAAAAA4D8AAAAAAADgPwAAAAAAAOA/AAAAAAAA4D8AAAAAAADgPwAAAAAAAOA/AAAAAAAA4D8AAAAAAADgPwAAAAAAAOA/AAAAAAAA4D8CAAAAjAAAAAAAAAAAAAAARHLEDP///wgAAAAAAAAAAAAAAAAAAAAAAAAAAAAAAAAAAAAAZAAAAAEAAABAAAAAAAAAAAAAAAAAAAAAAAAAAAAAAAAAAAAAAAAAAAAAAAAAAAAAAAAAAAAAAAAAAAAAAAAAAAAAAAAAAAAAAAAAAAAAAAAAAAAAAAAAAAAAAAAAAAAAFAAAADwAAAAAAAAAAAAAAAAAAAkUAAAAAQAAABQAAAAUAAAAFAAAAAEAAAAAAAAAZAAAAGQAAAAAAAAAZAAAAGQAAAAVAAAAYAAAAAAAAAAAAAAADwAAACADAAAAAAAAAAAAAAEAAACgMgAAVgcAAKr4//8BAAAAf39/AAEAAABkAAAAAAAAABQAAABAHwAAAAAAACYAAAAAAAAAwOD//wAAAAAmAAAAZAAAABYAAABMAAAAAAAAAAAAAAAEAAAAAAAAAAEAAADn5uYKAAAAACgAAAAoAAAAZAAAAGQAAAAAAAAAzMzMAAAAAABQAAAAUAAAAGQAAABkAAAAAAAAABcAAAAUAAAAAAAAAAAAAAD/fwAA/38AAAAAAAAJAAAABAAAAGwAZQAeAAAAaAAAAAAAAAAAAAAAAAAAAAAAAAAAAAAAECcAABAnAAAAAAAAAAAAAAAAAAAAAAAAAAAAAAAAAAAAAAAAAAAAABQAAAAAAAAAwMD/AAAAAABkAAAAMgAAAAAAAABkAAAAAAAAAH9/fwAKAAAAIgAAABgAAAAAAAAAAAAAAAAAAAAAAAAAAAAAAAAAAAAkAAAAJAAAAAAAAAAHAAAAAAAAAAAAAAAAAAAAAAAAAAAAAAAAAAAAf39/ACUAAABYAAAAAAAAAAAAAAAAAAAAAAAAAAAAAAAAAAAAAAAAAAAAAAAAAAAAAAAAAAAAAAA/AAAAAAAAAKCGAQAAAAAAAAAAAAAAAAAMAAAAAQAAAAAAAAAAAAAAAAAAAB8AAABUAAAAAAAABQAAAAEAAAAAAAAAAAAAAAAAAAAAAAAAAAAAAAAAAAAAAAAAAAAAAAJ/f38AAAAAA8zMzADAwP8Af39/AAAAAAAAAAAAAAAAAAAAAAAAAAAAIQAAABgAAAAUAAAA2BgAABonAAAoMgAAWSkAABAAAAAmAAAACAAAAAAAAAAAAAAAMAAAABQAAAAAAAAAAAD//wAAAQAAAP//AAABAA=="/>
+                <pr:smNativeData xmlns:mc="http://schemas.openxmlformats.org/markup-compatibility/2006" xmlns:p14="http://schemas.microsoft.com/office/powerpoint/2010/main" xmlns:p15="http://schemas.microsoft.com/office/powerpoint/2012/main" xmlns:pr="smNativeData" xmlns="smNativeData" val="SMDATA_16_xzE7ZxMAAAAlAAAAZAAAAA0AAAAAkAAAAEgAAACQAAAASAAAAAAAAAABAAAAAAAAAAEAAABQAAAAAAAAAAAA4D8AAAAAAADgPwAAAAAAAOA/AAAAAAAA4D8AAAAAAADgPwAAAAAAAOA/AAAAAAAA4D8AAAAAAADgPwAAAAAAAOA/AAAAAAAA4D8CAAAAjAAAAAAAAAAAAAAARHLEDP///wgAAAAAAAAAAAAAAAAAAAAAAAAAAAAAAAAAAAAAZAAAAAEAAABAAAAAAAAAAAAAAAAAAAAAAAAAAAAAAAAAAAAAAAAAAAAAAAAAAAAAAAAAAAAAAAAAAAAAAAAAAAAAAAAAAAAAAAAAAAAAAAAAAAAAAAAAAAAAAAAAAAAAFAAAADwAAAAAAAAAAAAAAAAAAAkUAAAAAQAAABQAAAAUAAAAFAAAAAEAAAAAAAAAZAAAAGQAAAAAAAAAZAAAAGQAAAAVAAAAYAAAAAAAAAAAAAAADwAAACADAAAAAAAAAAAAAAEAAACgMgAAVgcAAKr4//8BAAAAf39/AAEAAABkAAAAAAAAABQAAABAHwAAAAAAACYAAAAAAAAAwOD//wAAAAAmAAAAZAAAABYAAABMAAAAAAAAAAAAAAAEAAAAAAAAAAEAAADn5uYKAAAAACgAAAAoAAAAZAAAAGQAAAAAAAAAzMzMAAAAAABQAAAAUAAAAGQAAABkAAAAAAAAABcAAAAUAAAAAAAAAAAAAAD/fwAA/38AAAAAAAAJAAAABAAAAGwAZQAeAAAAaAAAAAAAAAAAAAAAAAAAAAAAAAAAAAAAECcAABAnAAAAAAAAAAAAAAAAAAAAAAAAAAAAAAAAAAAAAAAAAAAAABQAAAAAAAAAwMD/AAAAAABkAAAAMgAAAAAAAABkAAAAAAAAAH9/fwAKAAAAIgAAABgAAAAAAAAAAAAAAAAAAAAAAAAAAAAAAAAAAAAkAAAAJAAAAAAAAAAHAAAAAAAAAAAAAAAAAAAAAAAAAAAAAAAAAAAAf39/ACUAAABYAAAAAAAAAAAAAAAAAAAAAAAAAAAAAAAAAAAAAAAAAAAAAAAAAAAAAAAAAAAAAAA/AAAAAAAAAKCGAQAAAAAAAAAAAAAAAAAMAAAAAQAAAAAAAAAAAAAAAAAAAB8AAABUAAAAAAAABQAAAAEAAAAAAAAAAAAAAAAAAAAAAAAAAAAAAAAAAAAAAAAAAAAAAAJ/f38AAAAAA8zMzADAwP8Af39/AAAAAAAAAAAAAAAAAAAAAAAAAAAAIQAAABgAAAAUAAAA2BgAABonAAAoMgAAWSkAABAAAAAmAAAACAAAAAAAAAAAAAAAMAAAABQAAAAAAAAAAAD//wAAAQAAAP//AAABAA=="/>
               </a:ext>
             </a:extLst>
           </p:cNvSpPr>
@@ -2363,6 +2196,7 @@
             <a:pPr>
               <a:defRPr lang="ru-ru"/>
             </a:pPr>
+            <a:endParaRPr/>
           </a:p>
         </p:txBody>
       </p:sp>
@@ -2373,7 +2207,7 @@
             <a:spLocks noGrp="1" noChangeArrowheads="1"/>
             <a:extLst>
               <a:ext uri="smNativeData">
-                <pr:smNativeData xmlns:pr="smNativeData" xmlns="smNativeData" val="SMDATA_16_xzE7ZxMAAAAlAAAAZAAAAA0AAAAAkAAAAEgAAACQAAAASAAAAAAAAAABAAAAAAAAAAEAAABQAAAAAAAAAAAA4D8AAAAAAADgPwAAAAAAAOA/AAAAAAAA4D8AAAAAAADgPwAAAAAAAOA/AAAAAAAA4D8AAAAAAADgPwAAAAAAAOA/AAAAAAAA4D8CAAAAjAAAAAAAAAAAAAAARHLEDP///wgAAAAAAAAAAAAAAAAAAAAAAAAAAAAAAAAAAAAAZAAAAAEAAABAAAAAAAAAAAAAAAAAAAAAAAAAAAAAAAAAAAAAAAAAAAAAAAAAAAAAAAAAAAAAAAAAAAAAAAAAAAAAAAAAAAAAAAAAAAAAAAAAAAAAAAAAAAAAAAAAAAAAFAAAADwAAAAAAAAAAAAAAAAAAAkUAAAAAQAAABQAAAAUAAAAFAAAAAEAAAAAAAAAZAAAAGQAAAAAAAAAZAAAAGQAAAAVAAAAYAAAAAAAAAAAAAAADwAAACADAAAAAAAAAAAAAAEAAACgMgAAVgcAAKr4//8BAAAAf39/AAEAAABkAAAAAAAAABQAAABAHwAAAAAAACYAAAAAAAAAwOD//wAAAAAmAAAAZAAAABYAAABMAAAAAAAAAAAAAAAEAAAAAAAAAAEAAADn5uYKAAAAACgAAAAoAAAAZAAAAGQAAAAAAAAAzMzMAAAAAABQAAAAUAAAAGQAAABkAAAAAAAAABcAAAAUAAAAAAAAAAAAAAD/fwAA/38AAAAAAAAJAAAABAAAAAAAAAAeAAAAaAAAAAAAAAAAAAAAAAAAAAAAAAAAAAAAECcAABAnAAAAAAAAAAAAAAAAAAAAAAAAAAAAAAAAAAAAAAAAAAAAABQAAAAAAAAAwMD/AAAAAABkAAAAMgAAAAAAAABkAAAAAAAAAH9/fwAKAAAAIgAAABgAAAAAAAAAAAAAAAAAAAAAAAAAAAAAAAAAAAAkAAAAJAAAAAAAAAAHAAAAAAAAAAAAAAAAAAAAAAAAAAAAAAAAAAAAf39/ACUAAABYAAAAAAAAAAAAAAAAAAAAAAAAAAAAAAAAAAAAAAAAAAAAAAAAAAAAAAAAAAAAAAA/AAAAAAAAAKCGAQAAAAAAAAAAAAAAAAAMAAAAAQAAAAAAAAAAAAAAAAAAAB8AAABUAAAAAAAABQAAAAEAAAAAAAAAAAAAAAAAAAAAAAAAAAAAAAAAAAAAAAAAAAAAAAJ/f38AAAAAA8zMzADAwP8Af39/AAAAAAAAAAAAAAAAAAAAAAAAAAAAIQAAABgAAAAUAAAA+DQAABonAADYRQAAWSkAABAAAAAmAAAACAAAAAAAAAAAAAAAMAAAABQAAAAAAAAAAAD//wAAAQAAAP//AAABAA=="/>
+                <pr:smNativeData xmlns:mc="http://schemas.openxmlformats.org/markup-compatibility/2006" xmlns:p14="http://schemas.microsoft.com/office/powerpoint/2010/main" xmlns:p15="http://schemas.microsoft.com/office/powerpoint/2012/main" xmlns:pr="smNativeData" xmlns="smNativeData" val="SMDATA_16_xzE7ZxMAAAAlAAAAZAAAAA0AAAAAkAAAAEgAAACQAAAASAAAAAAAAAABAAAAAAAAAAEAAABQAAAAAAAAAAAA4D8AAAAAAADgPwAAAAAAAOA/AAAAAAAA4D8AAAAAAADgPwAAAAAAAOA/AAAAAAAA4D8AAAAAAADgPwAAAAAAAOA/AAAAAAAA4D8CAAAAjAAAAAAAAAAAAAAARHLEDP///wgAAAAAAAAAAAAAAAAAAAAAAAAAAAAAAAAAAAAAZAAAAAEAAABAAAAAAAAAAAAAAAAAAAAAAAAAAAAAAAAAAAAAAAAAAAAAAAAAAAAAAAAAAAAAAAAAAAAAAAAAAAAAAAAAAAAAAAAAAAAAAAAAAAAAAAAAAAAAAAAAAAAAFAAAADwAAAAAAAAAAAAAAAAAAAkUAAAAAQAAABQAAAAUAAAAFAAAAAEAAAAAAAAAZAAAAGQAAAAAAAAAZAAAAGQAAAAVAAAAYAAAAAAAAAAAAAAADwAAACADAAAAAAAAAAAAAAEAAACgMgAAVgcAAKr4//8BAAAAf39/AAEAAABkAAAAAAAAABQAAABAHwAAAAAAACYAAAAAAAAAwOD//wAAAAAmAAAAZAAAABYAAABMAAAAAAAAAAAAAAAEAAAAAAAAAAEAAADn5uYKAAAAACgAAAAoAAAAZAAAAGQAAAAAAAAAzMzMAAAAAABQAAAAUAAAAGQAAABkAAAAAAAAABcAAAAUAAAAAAAAAAAAAAD/fwAA/38AAAAAAAAJAAAABAAAAAAAAAAeAAAAaAAAAAAAAAAAAAAAAAAAAAAAAAAAAAAAECcAABAnAAAAAAAAAAAAAAAAAAAAAAAAAAAAAAAAAAAAAAAAAAAAABQAAAAAAAAAwMD/AAAAAABkAAAAMgAAAAAAAABkAAAAAAAAAH9/fwAKAAAAIgAAABgAAAAAAAAAAAAAAAAAAAAAAAAAAAAAAAAAAAAkAAAAJAAAAAAAAAAHAAAAAAAAAAAAAAAAAAAAAAAAAAAAAAAAAAAAf39/ACUAAABYAAAAAAAAAAAAAAAAAAAAAAAAAAAAAAAAAAAAAAAAAAAAAAAAAAAAAAAAAAAAAAA/AAAAAAAAAKCGAQAAAAAAAAAAAAAAAAAMAAAAAQAAAAAAAAAAAAAAAAAAAB8AAABUAAAAAAAABQAAAAEAAAAAAAAAAAAAAAAAAAAAAAAAAAAAAAAAAAAAAAAAAAAAAAJ/f38AAAAAA8zMzADAwP8Af39/AAAAAAAAAAAAAAAAAAAAAAAAAAAAIQAAABgAAAAUAAAA+DQAABonAADYRQAAWSkAABAAAAAmAAAACAAAAAAAAAAAAAAAMAAAABQAAAAAAAAAAAD//wAAAQAAAP//AAABAA=="/>
               </a:ext>
             </a:extLst>
           </p:cNvSpPr>
@@ -2390,8 +2224,9 @@
               <a:defRPr lang="ru-ru"/>
             </a:pPr>
             <a:fld id="{3BC5C57E-30D6-9033-987D-C6668B336E93}" type="slidenum">
-              <a:t/>
+              <a:t>‹#›</a:t>
             </a:fld>
+            <a:endParaRPr/>
           </a:p>
         </p:txBody>
       </p:sp>
@@ -2405,7 +2240,7 @@
 </file>
 
 <file path=ppt/slideLayouts/slideLayout3.xml><?xml version="1.0" encoding="utf-8"?>
-<p:sldLayout xmlns:p="http://schemas.openxmlformats.org/presentationml/2006/main" xmlns:mc="http://schemas.openxmlformats.org/markup-compatibility/2006" xmlns:p14="http://schemas.microsoft.com/office/powerpoint/2010/main" xmlns:p15="http://schemas.microsoft.com/office/powerpoint/2012/main" xmlns:r="http://schemas.openxmlformats.org/officeDocument/2006/relationships" xmlns:a="http://schemas.openxmlformats.org/drawingml/2006/main" type="secHead" preserve="1">
+<p:sldLayout xmlns:a="http://schemas.openxmlformats.org/drawingml/2006/main" xmlns:r="http://schemas.openxmlformats.org/officeDocument/2006/relationships" xmlns:p="http://schemas.openxmlformats.org/presentationml/2006/main" type="secHead" preserve="1">
   <p:cSld name="Заголовок раздела">
     <p:spTree>
       <p:nvGrpSpPr>
@@ -2428,7 +2263,7 @@
             <a:spLocks noGrp="1" noChangeArrowheads="1"/>
             <a:extLst>
               <a:ext uri="smNativeData">
-                <pr:smNativeData xmlns:pr="smNativeData" xmlns="smNativeData" val="SMDATA_16_xzE7ZxMAAAAlAAAAZAAAAA0AAAAAkAAAAEgAAACQAAAASAAAAAAAAAACAAAAAAAAAAEAAABQAAAAAAAAAAAA4D8AAAAAAADgPwAAAAAAAOA/AAAAAAAA4D8AAAAAAADgPwAAAAAAAOA/AAAAAAAA4D8AAAAAAADgPwAAAAAAAOA/AAAAAAAA4D8CAAAAjAAAAAAAAAAAAAAARHLEDP///wgAAAAAAAAAAAAAAAAAAAAAAAAAAAAAAAAAAAAAZAAAAAEAAABAAAAAAAAAAAAAAAAAAAAAAAAAAAAAAAAAAAAAAAAAAAAAAAAAAAAAAAAAAAAAAAAAAAAAAAAAAAAAAAAAAAAAAAAAAAAAAAAAAAAAAAAAAAAAAAAAAAAAFAAAADwAAAAAAAAAAAAAAAAAAAkUAAAAAQAAABQAAAAUAAAAFAAAAAEAAAAAAAAAZAAAAGQAAAAAAAAAZAAAAGQAAAAVAAAAYAAAAAAAAAAAAAAADwAAACADAAAAAAAAAAAAAAEAAACgMgAAVgcAAKr4//8BAAAAf39/AAEAAABkAAAAAAAAABQAAABAHwAAAAAAACYAAAAAAAAAwOD//wAAAAAmAAAAZAAAABYAAABMAAAAAAAAAAAAAAAEAAAAAAAAAAEAAADn5uYKAAAAACgAAAAoAAAAZAAAAGQAAAAAAAAAzMzMAAAAAABQAAAAUAAAAGQAAABkAAAAAAAAABcAAAAUAAAAAAAAAAAAAAD/fwAA/38AAAAAAAAJAAAABAAAAAAAAAAeAAAAaAAAAAAAAAAAAAAAAAAAAAAAAAAAAAAAECcAABAnAAAAAAAAAAAAAAAAAAAAAAAAAAAAAAAAAAAAAAAAAAAAABQAAAAAAAAAwMD/AAAAAABkAAAAMgAAAAAAAABkAAAAAAAAAH9/fwAKAAAAIgAAABgAAAAAAAAAAAAAAAAAAAAAAAAAAAAAAAAAAAAkAAAAJAAAAAAAAAAHAAAAAAAAAAAAAAAAAAAAAAAAAAAAAAAAAAAAf39/ACUAAABYAAAAAAAAAAAAAAAAAAAAAAAAAAAAAAAAAAAAAAAAAAAAAAAAAAAAAAAAAAAAAAA/AAAAAAAAAKCGAQAAAAAAAAAAAAAAAAAMAAAAAQAAAAAAAAAAAAAAAAAAAB8AAABUAAAAAAAABQAAAAEAAAAAAAAAAAAAAAAAAAAAAAAAAAAAAAAAAAAAAAAAAAAAAAJ/f38AAAAAA8zMzADAwP8Af39/AAAAAAAAAAAAAAAAAAAAAAAAAAAAIQAAABgAAAAUAAAAHgUAAIUKAADORQAAERwAABAAAAAmAAAACAAAAIGAAAAAAAAAMAAAABQAAAAAAAAAAAD//wAAAQAAAP//AAABAA=="/>
+                <pr:smNativeData xmlns:mc="http://schemas.openxmlformats.org/markup-compatibility/2006" xmlns:p14="http://schemas.microsoft.com/office/powerpoint/2010/main" xmlns:p15="http://schemas.microsoft.com/office/powerpoint/2012/main" xmlns:pr="smNativeData" xmlns="smNativeData" val="SMDATA_16_xzE7ZxMAAAAlAAAAZAAAAA0AAAAAkAAAAEgAAACQAAAASAAAAAAAAAACAAAAAAAAAAEAAABQAAAAAAAAAAAA4D8AAAAAAADgPwAAAAAAAOA/AAAAAAAA4D8AAAAAAADgPwAAAAAAAOA/AAAAAAAA4D8AAAAAAADgPwAAAAAAAOA/AAAAAAAA4D8CAAAAjAAAAAAAAAAAAAAARHLEDP///wgAAAAAAAAAAAAAAAAAAAAAAAAAAAAAAAAAAAAAZAAAAAEAAABAAAAAAAAAAAAAAAAAAAAAAAAAAAAAAAAAAAAAAAAAAAAAAAAAAAAAAAAAAAAAAAAAAAAAAAAAAAAAAAAAAAAAAAAAAAAAAAAAAAAAAAAAAAAAAAAAAAAAFAAAADwAAAAAAAAAAAAAAAAAAAkUAAAAAQAAABQAAAAUAAAAFAAAAAEAAAAAAAAAZAAAAGQAAAAAAAAAZAAAAGQAAAAVAAAAYAAAAAAAAAAAAAAADwAAACADAAAAAAAAAAAAAAEAAACgMgAAVgcAAKr4//8BAAAAf39/AAEAAABkAAAAAAAAABQAAABAHwAAAAAAACYAAAAAAAAAwOD//wAAAAAmAAAAZAAAABYAAABMAAAAAAAAAAAAAAAEAAAAAAAAAAEAAADn5uYKAAAAACgAAAAoAAAAZAAAAGQAAAAAAAAAzMzMAAAAAABQAAAAUAAAAGQAAABkAAAAAAAAABcAAAAUAAAAAAAAAAAAAAD/fwAA/38AAAAAAAAJAAAABAAAAAAAAAAeAAAAaAAAAAAAAAAAAAAAAAAAAAAAAAAAAAAAECcAABAnAAAAAAAAAAAAAAAAAAAAAAAAAAAAAAAAAAAAAAAAAAAAABQAAAAAAAAAwMD/AAAAAABkAAAAMgAAAAAAAABkAAAAAAAAAH9/fwAKAAAAIgAAABgAAAAAAAAAAAAAAAAAAAAAAAAAAAAAAAAAAAAkAAAAJAAAAAAAAAAHAAAAAAAAAAAAAAAAAAAAAAAAAAAAAAAAAAAAf39/ACUAAABYAAAAAAAAAAAAAAAAAAAAAAAAAAAAAAAAAAAAAAAAAAAAAAAAAAAAAAAAAAAAAAA/AAAAAAAAAKCGAQAAAAAAAAAAAAAAAAAMAAAAAQAAAAAAAAAAAAAAAAAAAB8AAABUAAAAAAAABQAAAAEAAAAAAAAAAAAAAAAAAAAAAAAAAAAAAAAAAAAAAAAAAAAAAAJ/f38AAAAAA8zMzADAwP8Af39/AAAAAAAAAAAAAAAAAAAAAAAAAAAAIQAAABgAAAAUAAAAHgUAAIUKAADORQAAERwAABAAAAAmAAAACAAAAIGAAAAAAAAAMAAAABQAAAAAAAAAAAD//wAAAQAAAP//AAABAA=="/>
               </a:ext>
             </a:extLst>
           </p:cNvSpPr>
@@ -2494,7 +2329,7 @@
             <a:spLocks noGrp="1" noChangeArrowheads="1"/>
             <a:extLst>
               <a:ext uri="smNativeData">
-                <pr:smNativeData xmlns:pr="smNativeData" xmlns="smNativeData" val="SMDATA_16_xzE7ZxMAAAAlAAAAZAAAAA0AAAAAkAAAAEgAAACQAAAASAAAAAAAAAAAAAAAAAAAAAEAAABQAAAAAAAAAAAA4D8AAAAAAADgPwAAAAAAAOA/AAAAAAAA4D8AAAAAAADgPwAAAAAAAOA/AAAAAAAA4D8AAAAAAADgPwAAAAAAAOA/AAAAAAAA4D8CAAAAjAAAAAAAAAAAAAAARHLEDP///wgAAAAAAAAAAAAAAAAAAAAAAAAAAAAAAAAAAAAAZAAAAAEAAABAAAAAAAAAAAAAAAAAAAAAAAAAAAAAAAAAAAAAAAAAAAAAAAAAAAAAAAAAAAAAAAAAAAAAAAAAAAAAAAAAAAAAAAAAAAAAAAAAAAAAAAAAAAAAAAAAAAAAFAAAADwAAAAAAAAAAAAAAAAAAAkUAAAAAQAAABQAAAAUAAAAFAAAAAEAAAAAAAAAZAAAAGQAAAAAAAAAZAAAAGQAAAAVAAAAYAAAAAAAAAAAAAAADwAAACADAAAAAAAAAAAAAAEAAACgMgAAVgcAAKr4//8BAAAAf39/AAEAAABkAAAAAAAAABQAAABAHwAAAAAAACYAAAAAAAAAwOD//wAAAAAmAAAAZAAAABYAAABMAAAAAAAAAAAAAAAEAAAAAAAAAAEAAADn5uYKAAAAACgAAAAoAAAAZAAAAGQAAAAAAAAAzMzMAAAAAABQAAAAUAAAAGQAAABkAAAAAAAAABcAAAAUAAAAAAAAAAAAAAD/fwAA/38AAAAAAAAJAAAABAAAAAAAAAAeAAAAaAAAAAAAAAAAAAAAAAAAAAAAAAAAAAAAECcAABAnAAAAAAAAAAAAAAAAAAAAAAAAAAAAAAAAAAAAAAAAAAAAABQAAAAAAAAAwMD/AAAAAABkAAAAMgAAAAAAAABkAAAAAAAAAH9/fwAKAAAAIgAAABgAAAAAAAAAAAAAAAAAAAAAAAAAAAAAAAAAAAAkAAAAJAAAAAAAAAAHAAAAAAAAAAAAAAAAAAAAAAAAAAAAAAAAAAAAf39/ACUAAABYAAAAAAAAAAAAAAAAAAAAAAAAAAAAAAAAAAAAAAAAAAAAAAAAAAAAAAAAAAAAAAA/AAAAAAAAAKCGAQAAAAAAAAAAAAAAAAAMAAAAAQAAAAAAAAAAAAAAAAAAAB8AAABUAAAAAAAABQAAAAEAAAAAAAAAAAAAAAAAAAAAAAAAAAAAAAAAAAAAAAAAAAAAAAJ/f38AAAAAA8zMzADAwP8Af39/AAAAAAAAAAAAAAAAAAAAAAAAAAAAIQAAABgAAAAUAAAAHgUAADwcAADORQAAdiUAABAAAAAmAAAACAAAAAGAAAAAAAAAMAAAABQAAAAAAAAAAAD//wAAAQAAAP//AAABAA=="/>
+                <pr:smNativeData xmlns:mc="http://schemas.openxmlformats.org/markup-compatibility/2006" xmlns:p14="http://schemas.microsoft.com/office/powerpoint/2010/main" xmlns:p15="http://schemas.microsoft.com/office/powerpoint/2012/main" xmlns:pr="smNativeData" xmlns="smNativeData" val="SMDATA_16_xzE7ZxMAAAAlAAAAZAAAAA0AAAAAkAAAAEgAAACQAAAASAAAAAAAAAAAAAAAAAAAAAEAAABQAAAAAAAAAAAA4D8AAAAAAADgPwAAAAAAAOA/AAAAAAAA4D8AAAAAAADgPwAAAAAAAOA/AAAAAAAA4D8AAAAAAADgPwAAAAAAAOA/AAAAAAAA4D8CAAAAjAAAAAAAAAAAAAAARHLEDP///wgAAAAAAAAAAAAAAAAAAAAAAAAAAAAAAAAAAAAAZAAAAAEAAABAAAAAAAAAAAAAAAAAAAAAAAAAAAAAAAAAAAAAAAAAAAAAAAAAAAAAAAAAAAAAAAAAAAAAAAAAAAAAAAAAAAAAAAAAAAAAAAAAAAAAAAAAAAAAAAAAAAAAFAAAADwAAAAAAAAAAAAAAAAAAAkUAAAAAQAAABQAAAAUAAAAFAAAAAEAAAAAAAAAZAAAAGQAAAAAAAAAZAAAAGQAAAAVAAAAYAAAAAAAAAAAAAAADwAAACADAAAAAAAAAAAAAAEAAACgMgAAVgcAAKr4//8BAAAAf39/AAEAAABkAAAAAAAAABQAAABAHwAAAAAAACYAAAAAAAAAwOD//wAAAAAmAAAAZAAAABYAAABMAAAAAAAAAAAAAAAEAAAAAAAAAAEAAADn5uYKAAAAACgAAAAoAAAAZAAAAGQAAAAAAAAAzMzMAAAAAABQAAAAUAAAAGQAAABkAAAAAAAAABcAAAAUAAAAAAAAAAAAAAD/fwAA/38AAAAAAAAJAAAABAAAAAAAAAAeAAAAaAAAAAAAAAAAAAAAAAAAAAAAAAAAAAAAECcAABAnAAAAAAAAAAAAAAAAAAAAAAAAAAAAAAAAAAAAAAAAAAAAABQAAAAAAAAAwMD/AAAAAABkAAAAMgAAAAAAAABkAAAAAAAAAH9/fwAKAAAAIgAAABgAAAAAAAAAAAAAAAAAAAAAAAAAAAAAAAAAAAAkAAAAJAAAAAAAAAAHAAAAAAAAAAAAAAAAAAAAAAAAAAAAAAAAAAAAf39/ACUAAABYAAAAAAAAAAAAAAAAAAAAAAAAAAAAAAAAAAAAAAAAAAAAAAAAAAAAAAAAAAAAAAA/AAAAAAAAAKCGAQAAAAAAAAAAAAAAAAAMAAAAAQAAAAAAAAAAAAAAAAAAAB8AAABUAAAAAAAABQAAAAEAAAAAAAAAAAAAAAAAAAAAAAAAAAAAAAAAAAAAAAAAAAAAAAJ/f38AAAAAA8zMzADAwP8Af39/AAAAAAAAAAAAAAAAAAAAAAAAAAAAIQAAABgAAAAUAAAAHgUAADwcAADORQAAdiUAABAAAAAmAAAACAAAAAGAAAAAAAAAMAAAABQAAAAAAAAAAAD//wAAAQAAAP//AAABAA=="/>
               </a:ext>
             </a:extLst>
           </p:cNvSpPr>
@@ -2601,7 +2436,7 @@
             <a:spLocks noGrp="1" noChangeArrowheads="1"/>
             <a:extLst>
               <a:ext uri="smNativeData">
-                <pr:smNativeData xmlns:pr="smNativeData" xmlns="smNativeData" val="SMDATA_16_xzE7ZxMAAAAlAAAAZAAAAA0AAAAAkAAAAEgAAACQAAAASAAAAAAAAAABAAAAAAAAAAEAAABQAAAAAAAAAAAA4D8AAAAAAADgPwAAAAAAAOA/AAAAAAAA4D8AAAAAAADgPwAAAAAAAOA/AAAAAAAA4D8AAAAAAADgPwAAAAAAAOA/AAAAAAAA4D8CAAAAjAAAAAAAAAAAAAAARHLEDP///wgAAAAAAAAAAAAAAAAAAAAAAAAAAAAAAAAAAAAAZAAAAAEAAABAAAAAAAAAAAAAAAAAAAAAAAAAAAAAAAAAAAAAAAAAAAAAAAAAAAAAAAAAAAAAAAAAAAAAAAAAAAAAAAAAAAAAAAAAAAAAAAAAAAAAAAAAAAAAAAAAAAAAFAAAADwAAAAAAAAAAAAAAAAAAAkUAAAAAQAAABQAAAAUAAAAFAAAAAEAAAAAAAAAZAAAAGQAAAAAAAAAZAAAAGQAAAAVAAAAYAAAAAAAAAAAAAAADwAAACADAAAAAAAAAAAAAAEAAACgMgAAVgcAAKr4//8BAAAAf39/AAEAAABkAAAAAAAAABQAAABAHwAAAAAAACYAAAAAAAAAwOD//wAAAAAmAAAAZAAAABYAAABMAAAAAAAAAAAAAAAEAAAAAAAAAAEAAADn5uYKAAAAACgAAAAoAAAAZAAAAGQAAAAAAAAAzMzMAAAAAABQAAAAUAAAAGQAAABkAAAAAAAAABcAAAAUAAAAAAAAAAAAAAD/fwAA/38AAAAAAAAJAAAABAAAAAAAAAAeAAAAaAAAAAAAAAAAAAAAAAAAAAAAAAAAAAAAECcAABAnAAAAAAAAAAAAAAAAAAAAAAAAAAAAAAAAAAAAAAAAAAAAABQAAAAAAAAAwMD/AAAAAABkAAAAMgAAAAAAAABkAAAAAAAAAH9/fwAKAAAAIgAAABgAAAAAAAAAAAAAAAAAAAAAAAAAAAAAAAAAAAAkAAAAJAAAAAAAAAAHAAAAAAAAAAAAAAAAAAAAAAAAAAAAAAAAAAAAf39/ACUAAABYAAAAAAAAAAAAAAAAAAAAAAAAAAAAAAAAAAAAAAAAAAAAAAAAAAAAAAAAAAAAAAA/AAAAAAAAAKCGAQAAAAAAAAAAAAAAAAAMAAAAAQAAAAAAAAAAAAAAAAAAAB8AAABUAAAAAAAABQAAAAEAAAAAAAAAAAAAAAAAAAAAAAAAAAAAAAAAAAAAAAAAAAAAAAJ/f38AAAAAA8zMzADAwP8Af39/AAAAAAAAAAAAAAAAAAAAAAAAAAAAIQAAABgAAAAUAAAAKAUAABonAAAIFgAAWSkAABAAAAAmAAAACAAAAAAAAAAAAAAAMAAAABQAAAAAAAAAAAD//wAAAQAAAP//AAABAA=="/>
+                <pr:smNativeData xmlns:mc="http://schemas.openxmlformats.org/markup-compatibility/2006" xmlns:p14="http://schemas.microsoft.com/office/powerpoint/2010/main" xmlns:p15="http://schemas.microsoft.com/office/powerpoint/2012/main" xmlns:pr="smNativeData" xmlns="smNativeData" val="SMDATA_16_xzE7ZxMAAAAlAAAAZAAAAA0AAAAAkAAAAEgAAACQAAAASAAAAAAAAAABAAAAAAAAAAEAAABQAAAAAAAAAAAA4D8AAAAAAADgPwAAAAAAAOA/AAAAAAAA4D8AAAAAAADgPwAAAAAAAOA/AAAAAAAA4D8AAAAAAADgPwAAAAAAAOA/AAAAAAAA4D8CAAAAjAAAAAAAAAAAAAAARHLEDP///wgAAAAAAAAAAAAAAAAAAAAAAAAAAAAAAAAAAAAAZAAAAAEAAABAAAAAAAAAAAAAAAAAAAAAAAAAAAAAAAAAAAAAAAAAAAAAAAAAAAAAAAAAAAAAAAAAAAAAAAAAAAAAAAAAAAAAAAAAAAAAAAAAAAAAAAAAAAAAAAAAAAAAFAAAADwAAAAAAAAAAAAAAAAAAAkUAAAAAQAAABQAAAAUAAAAFAAAAAEAAAAAAAAAZAAAAGQAAAAAAAAAZAAAAGQAAAAVAAAAYAAAAAAAAAAAAAAADwAAACADAAAAAAAAAAAAAAEAAACgMgAAVgcAAKr4//8BAAAAf39/AAEAAABkAAAAAAAAABQAAABAHwAAAAAAACYAAAAAAAAAwOD//wAAAAAmAAAAZAAAABYAAABMAAAAAAAAAAAAAAAEAAAAAAAAAAEAAADn5uYKAAAAACgAAAAoAAAAZAAAAGQAAAAAAAAAzMzMAAAAAABQAAAAUAAAAGQAAABkAAAAAAAAABcAAAAUAAAAAAAAAAAAAAD/fwAA/38AAAAAAAAJAAAABAAAAAAAAAAeAAAAaAAAAAAAAAAAAAAAAAAAAAAAAAAAAAAAECcAABAnAAAAAAAAAAAAAAAAAAAAAAAAAAAAAAAAAAAAAAAAAAAAABQAAAAAAAAAwMD/AAAAAABkAAAAMgAAAAAAAABkAAAAAAAAAH9/fwAKAAAAIgAAABgAAAAAAAAAAAAAAAAAAAAAAAAAAAAAAAAAAAAkAAAAJAAAAAAAAAAHAAAAAAAAAAAAAAAAAAAAAAAAAAAAAAAAAAAAf39/ACUAAABYAAAAAAAAAAAAAAAAAAAAAAAAAAAAAAAAAAAAAAAAAAAAAAAAAAAAAAAAAAAAAAA/AAAAAAAAAKCGAQAAAAAAAAAAAAAAAAAMAAAAAQAAAAAAAAAAAAAAAAAAAB8AAABUAAAAAAAABQAAAAEAAAAAAAAAAAAAAAAAAAAAAAAAAAAAAAAAAAAAAAAAAAAAAAJ/f38AAAAAA8zMzADAwP8Af39/AAAAAAAAAAAAAAAAAAAAAAAAAAAAIQAAABgAAAAUAAAAKAUAABonAAAIFgAAWSkAABAAAAAmAAAACAAAAAAAAAAAAAAAMAAAABQAAAAAAAAAAAD//wAAAQAAAP//AAABAA=="/>
               </a:ext>
             </a:extLst>
           </p:cNvSpPr>
@@ -2618,8 +2453,9 @@
               <a:defRPr lang="ru-ru"/>
             </a:pPr>
             <a:fld id="{3BC5B1C1-8FD6-9047-987D-7912FF336E2C}" type="datetime1">
-              <a:t>18.11.2024</a:t>
+              <a:t>20.11.2024</a:t>
             </a:fld>
+            <a:endParaRPr/>
           </a:p>
         </p:txBody>
       </p:sp>
@@ -2630,7 +2466,7 @@
             <a:spLocks noGrp="1" noChangeArrowheads="1"/>
             <a:extLst>
               <a:ext uri="smNativeData">
-                <pr:smNativeData xmlns:pr="smNativeData" xmlns="smNativeData" val="SMDATA_16_xzE7ZxMAAAAlAAAAZAAAAA0AAAAAkAAAAEgAAACQAAAASAAAAAAAAAABAAAAAAAAAAEAAABQAAAAAAAAAAAA4D8AAAAAAADgPwAAAAAAAOA/AAAAAAAA4D8AAAAAAADgPwAAAAAAAOA/AAAAAAAA4D8AAAAAAADgPwAAAAAAAOA/AAAAAAAA4D8CAAAAjAAAAAAAAAAAAAAARHLEDP///wgAAAAAAAAAAAAAAAAAAAAAAAAAAAAAAAAAAAAAZAAAAAEAAABAAAAAAAAAAAAAAAAAAAAAAAAAAAAAAAAAAAAAAAAAAAAAAAAAAAAAAAAAAAAAAAAAAAAAAAAAAAAAAAAAAAAAAAAAAAAAAAAAAAAAAAAAAAAAAAAAAAAAFAAAADwAAAAAAAAAAAAAAAAAAAkUAAAAAQAAABQAAAAUAAAAFAAAAAEAAAAAAAAAZAAAAGQAAAAAAAAAZAAAAGQAAAAVAAAAYAAAAAAAAAAAAAAADwAAACADAAAAAAAAAAAAAAEAAACgMgAAVgcAAKr4//8BAAAAf39/AAEAAABkAAAAAAAAABQAAABAHwAAAAAAACYAAAAAAAAAwOD//wAAAAAmAAAAZAAAABYAAABMAAAAAAAAAAAAAAAEAAAAAAAAAAEAAADn5uYKAAAAACgAAAAoAAAAZAAAAGQAAAAAAAAAzMzMAAAAAABQAAAAUAAAAGQAAABkAAAAAAAAABcAAAAUAAAAAAAAAAAAAAD/fwAA/38AAAAAAAAJAAAABAAAAAAAAAAeAAAAaAAAAAAAAAAAAAAAAAAAAAAAAAAAAAAAECcAABAnAAAAAAAAAAAAAAAAAAAAAAAAAAAAAAAAAAAAAAAAAAAAABQAAAAAAAAAwMD/AAAAAABkAAAAMgAAAAAAAABkAAAAAAAAAH9/fwAKAAAAIgAAABgAAAAAAAAAAAAAAAAAAAAAAAAAAAAAAAAAAAAkAAAAJAAAAAAAAAAHAAAAAAAAAAAAAAAAAAAAAAAAAAAAAAAAAAAAf39/ACUAAABYAAAAAAAAAAAAAAAAAAAAAAAAAAAAAAAAAAAAAAAAAAAAAAAAAAAAAAAAAAAAAAA/AAAAAAAAAKCGAQAAAAAAAAAAAAAAAAAMAAAAAQAAAAAAAAAAAAAAAAAAAB8AAABUAAAAAAAABQAAAAEAAAAAAAAAAAAAAAAAAAAAAAAAAAAAAAAAAAAAAAAAAAAAAAJ/f38AAAAAA8zMzADAwP8Af39/AAAAAAAAAAAAAAAAAAAAAAAAAAAAIQAAABgAAAAUAAAA2BgAABonAAAoMgAAWSkAABAAAAAmAAAACAAAAAAAAAAAAAAAMAAAABQAAAAAAAAAAAD//wAAAQAAAP//AAABAA=="/>
+                <pr:smNativeData xmlns:mc="http://schemas.openxmlformats.org/markup-compatibility/2006" xmlns:p14="http://schemas.microsoft.com/office/powerpoint/2010/main" xmlns:p15="http://schemas.microsoft.com/office/powerpoint/2012/main" xmlns:pr="smNativeData" xmlns="smNativeData" val="SMDATA_16_xzE7ZxMAAAAlAAAAZAAAAA0AAAAAkAAAAEgAAACQAAAASAAAAAAAAAABAAAAAAAAAAEAAABQAAAAAAAAAAAA4D8AAAAAAADgPwAAAAAAAOA/AAAAAAAA4D8AAAAAAADgPwAAAAAAAOA/AAAAAAAA4D8AAAAAAADgPwAAAAAAAOA/AAAAAAAA4D8CAAAAjAAAAAAAAAAAAAAARHLEDP///wgAAAAAAAAAAAAAAAAAAAAAAAAAAAAAAAAAAAAAZAAAAAEAAABAAAAAAAAAAAAAAAAAAAAAAAAAAAAAAAAAAAAAAAAAAAAAAAAAAAAAAAAAAAAAAAAAAAAAAAAAAAAAAAAAAAAAAAAAAAAAAAAAAAAAAAAAAAAAAAAAAAAAFAAAADwAAAAAAAAAAAAAAAAAAAkUAAAAAQAAABQAAAAUAAAAFAAAAAEAAAAAAAAAZAAAAGQAAAAAAAAAZAAAAGQAAAAVAAAAYAAAAAAAAAAAAAAADwAAACADAAAAAAAAAAAAAAEAAACgMgAAVgcAAKr4//8BAAAAf39/AAEAAABkAAAAAAAAABQAAABAHwAAAAAAACYAAAAAAAAAwOD//wAAAAAmAAAAZAAAABYAAABMAAAAAAAAAAAAAAAEAAAAAAAAAAEAAADn5uYKAAAAACgAAAAoAAAAZAAAAGQAAAAAAAAAzMzMAAAAAABQAAAAUAAAAGQAAABkAAAAAAAAABcAAAAUAAAAAAAAAAAAAAD/fwAA/38AAAAAAAAJAAAABAAAAAAAAAAeAAAAaAAAAAAAAAAAAAAAAAAAAAAAAAAAAAAAECcAABAnAAAAAAAAAAAAAAAAAAAAAAAAAAAAAAAAAAAAAAAAAAAAABQAAAAAAAAAwMD/AAAAAABkAAAAMgAAAAAAAABkAAAAAAAAAH9/fwAKAAAAIgAAABgAAAAAAAAAAAAAAAAAAAAAAAAAAAAAAAAAAAAkAAAAJAAAAAAAAAAHAAAAAAAAAAAAAAAAAAAAAAAAAAAAAAAAAAAAf39/ACUAAABYAAAAAAAAAAAAAAAAAAAAAAAAAAAAAAAAAAAAAAAAAAAAAAAAAAAAAAAAAAAAAAA/AAAAAAAAAKCGAQAAAAAAAAAAAAAAAAAMAAAAAQAAAAAAAAAAAAAAAAAAAB8AAABUAAAAAAAABQAAAAEAAAAAAAAAAAAAAAAAAAAAAAAAAAAAAAAAAAAAAAAAAAAAAAJ/f38AAAAAA8zMzADAwP8Af39/AAAAAAAAAAAAAAAAAAAAAAAAAAAAIQAAABgAAAAUAAAA2BgAABonAAAoMgAAWSkAABAAAAAmAAAACAAAAAAAAAAAAAAAMAAAABQAAAAAAAAAAAD//wAAAQAAAP//AAABAA=="/>
               </a:ext>
             </a:extLst>
           </p:cNvSpPr>
@@ -2646,6 +2482,7 @@
             <a:pPr>
               <a:defRPr lang="ru-ru"/>
             </a:pPr>
+            <a:endParaRPr/>
           </a:p>
         </p:txBody>
       </p:sp>
@@ -2656,7 +2493,7 @@
             <a:spLocks noGrp="1" noChangeArrowheads="1"/>
             <a:extLst>
               <a:ext uri="smNativeData">
-                <pr:smNativeData xmlns:pr="smNativeData" xmlns="smNativeData" val="SMDATA_16_xzE7ZxMAAAAlAAAAZAAAAA0AAAAAkAAAAEgAAACQAAAASAAAAAAAAAABAAAAAAAAAAEAAABQAAAAAAAAAAAA4D8AAAAAAADgPwAAAAAAAOA/AAAAAAAA4D8AAAAAAADgPwAAAAAAAOA/AAAAAAAA4D8AAAAAAADgPwAAAAAAAOA/AAAAAAAA4D8CAAAAjAAAAAAAAAAAAAAARHLEDP///wgAAAAAAAAAAAAAAAAAAAAAAAAAAAAAAAAAAAAAZAAAAAEAAABAAAAAAAAAAAAAAAAAAAAAAAAAAAAAAAAAAAAAAAAAAAAAAAAAAAAAAAAAAAAAAAAAAAAAAAAAAAAAAAAAAAAAAAAAAAAAAAAAAAAAAAAAAAAAAAAAAAAAFAAAADwAAAAAAAAAAAAAAAAAAAkUAAAAAQAAABQAAAAUAAAAFAAAAAEAAAAAAAAAZAAAAGQAAAAAAAAAZAAAAGQAAAAVAAAAYAAAAAAAAAAAAAAADwAAACADAAAAAAAAAAAAAAEAAACgMgAAVgcAAKr4//8BAAAAf39/AAEAAABkAAAAAAAAABQAAABAHwAAAAAAACYAAAAAAAAAwOD//wAAAAAmAAAAZAAAABYAAABMAAAAAAAAAAAAAAAEAAAAAAAAAAEAAADn5uYKAAAAACgAAAAoAAAAZAAAAGQAAAAAAAAAzMzMAAAAAABQAAAAUAAAAGQAAABkAAAAAAAAABcAAAAUAAAAAAAAAAAAAAD/fwAA/38AAAAAAAAJAAAABAAAAAUAAAAeAAAAaAAAAAAAAAAAAAAAAAAAAAAAAAAAAAAAECcAABAnAAAAAAAAAAAAAAAAAAAAAAAAAAAAAAAAAAAAAAAAAAAAABQAAAAAAAAAwMD/AAAAAABkAAAAMgAAAAAAAABkAAAAAAAAAH9/fwAKAAAAIgAAABgAAAAAAAAAAAAAAAAAAAAAAAAAAAAAAAAAAAAkAAAAJAAAAAAAAAAHAAAAAAAAAAAAAAAAAAAAAAAAAAAAAAAAAAAAf39/ACUAAABYAAAAAAAAAAAAAAAAAAAAAAAAAAAAAAAAAAAAAAAAAAAAAAAAAAAAAAAAAAAAAAA/AAAAAAAAAKCGAQAAAAAAAAAAAAAAAAAMAAAAAQAAAAAAAAAAAAAAAAAAAB8AAABUAAAAAAAABQAAAAEAAAAAAAAAAAAAAAAAAAAAAAAAAAAAAAAAAAAAAAAAAAAAAAJ/f38AAAAAA8zMzADAwP8Af39/AAAAAAAAAAAAAAAAAAAAAAAAAAAAIQAAABgAAAAUAAAA+DQAABonAADYRQAAWSkAABAAAAAmAAAACAAAAAAAAAAAAAAAMAAAABQAAAAAAAAAAAD//wAAAQAAAP//AAABAA=="/>
+                <pr:smNativeData xmlns:mc="http://schemas.openxmlformats.org/markup-compatibility/2006" xmlns:p14="http://schemas.microsoft.com/office/powerpoint/2010/main" xmlns:p15="http://schemas.microsoft.com/office/powerpoint/2012/main" xmlns:pr="smNativeData" xmlns="smNativeData" val="SMDATA_16_xzE7ZxMAAAAlAAAAZAAAAA0AAAAAkAAAAEgAAACQAAAASAAAAAAAAAABAAAAAAAAAAEAAABQAAAAAAAAAAAA4D8AAAAAAADgPwAAAAAAAOA/AAAAAAAA4D8AAAAAAADgPwAAAAAAAOA/AAAAAAAA4D8AAAAAAADgPwAAAAAAAOA/AAAAAAAA4D8CAAAAjAAAAAAAAAAAAAAARHLEDP///wgAAAAAAAAAAAAAAAAAAAAAAAAAAAAAAAAAAAAAZAAAAAEAAABAAAAAAAAAAAAAAAAAAAAAAAAAAAAAAAAAAAAAAAAAAAAAAAAAAAAAAAAAAAAAAAAAAAAAAAAAAAAAAAAAAAAAAAAAAAAAAAAAAAAAAAAAAAAAAAAAAAAAFAAAADwAAAAAAAAAAAAAAAAAAAkUAAAAAQAAABQAAAAUAAAAFAAAAAEAAAAAAAAAZAAAAGQAAAAAAAAAZAAAAGQAAAAVAAAAYAAAAAAAAAAAAAAADwAAACADAAAAAAAAAAAAAAEAAACgMgAAVgcAAKr4//8BAAAAf39/AAEAAABkAAAAAAAAABQAAABAHwAAAAAAACYAAAAAAAAAwOD//wAAAAAmAAAAZAAAABYAAABMAAAAAAAAAAAAAAAEAAAAAAAAAAEAAADn5uYKAAAAACgAAAAoAAAAZAAAAGQAAAAAAAAAzMzMAAAAAABQAAAAUAAAAGQAAABkAAAAAAAAABcAAAAUAAAAAAAAAAAAAAD/fwAA/38AAAAAAAAJAAAABAAAAAUAAAAeAAAAaAAAAAAAAAAAAAAAAAAAAAAAAAAAAAAAECcAABAnAAAAAAAAAAAAAAAAAAAAAAAAAAAAAAAAAAAAAAAAAAAAABQAAAAAAAAAwMD/AAAAAABkAAAAMgAAAAAAAABkAAAAAAAAAH9/fwAKAAAAIgAAABgAAAAAAAAAAAAAAAAAAAAAAAAAAAAAAAAAAAAkAAAAJAAAAAAAAAAHAAAAAAAAAAAAAAAAAAAAAAAAAAAAAAAAAAAAf39/ACUAAABYAAAAAAAAAAAAAAAAAAAAAAAAAAAAAAAAAAAAAAAAAAAAAAAAAAAAAAAAAAAAAAA/AAAAAAAAAKCGAQAAAAAAAAAAAAAAAAAMAAAAAQAAAAAAAAAAAAAAAAAAAB8AAABUAAAAAAAABQAAAAEAAAAAAAAAAAAAAAAAAAAAAAAAAAAAAAAAAAAAAAAAAAAAAAJ/f38AAAAAA8zMzADAwP8Af39/AAAAAAAAAAAAAAAAAAAAAAAAAAAAIQAAABgAAAAUAAAA+DQAABonAADYRQAAWSkAABAAAAAmAAAACAAAAAAAAAAAAAAAMAAAABQAAAAAAAAAAAD//wAAAQAAAP//AAABAA=="/>
               </a:ext>
             </a:extLst>
           </p:cNvSpPr>
@@ -2675,6 +2512,7 @@
             <a:fld id="{3BC5B94B-05D6-904F-987D-F31AF7336EA6}" type="slidenum">
               <a:t>‹#›</a:t>
             </a:fld>
+            <a:endParaRPr/>
           </a:p>
         </p:txBody>
       </p:sp>
@@ -2688,7 +2526,7 @@
 </file>
 
 <file path=ppt/slideLayouts/slideLayout4.xml><?xml version="1.0" encoding="utf-8"?>
-<p:sldLayout xmlns:p="http://schemas.openxmlformats.org/presentationml/2006/main" xmlns:mc="http://schemas.openxmlformats.org/markup-compatibility/2006" xmlns:p14="http://schemas.microsoft.com/office/powerpoint/2010/main" xmlns:p15="http://schemas.microsoft.com/office/powerpoint/2012/main" xmlns:r="http://schemas.openxmlformats.org/officeDocument/2006/relationships" xmlns:a="http://schemas.openxmlformats.org/drawingml/2006/main" type="twoObj" preserve="1">
+<p:sldLayout xmlns:a="http://schemas.openxmlformats.org/drawingml/2006/main" xmlns:r="http://schemas.openxmlformats.org/officeDocument/2006/relationships" xmlns:p="http://schemas.openxmlformats.org/presentationml/2006/main" type="twoObj" preserve="1">
   <p:cSld name="Два объекта">
     <p:spTree>
       <p:nvGrpSpPr>
@@ -2711,7 +2549,7 @@
             <a:spLocks noGrp="1" noChangeArrowheads="1"/>
             <a:extLst>
               <a:ext uri="smNativeData">
-                <pr:smNativeData xmlns:pr="smNativeData" xmlns="smNativeData" val="SMDATA_16_xzE7ZxMAAAAlAAAAZAAAAA0AAAAAkAAAAEgAAACQAAAASAAAAAAAAAABAAAAAAAAAAEAAABQAAAAAAAAAAAA4D8AAAAAAADgPwAAAAAAAOA/AAAAAAAA4D8AAAAAAADgPwAAAAAAAOA/AAAAAAAA4D8AAAAAAADgPwAAAAAAAOA/AAAAAAAA4D8CAAAAjAAAAAAAAAAAAAAARHLEDP///wgAAAAAAAAAAAAAAAAAAAAAAAAAAAAAAAAAAAAAZAAAAAEAAABAAAAAAAAAAAAAAAAAAAAAAAAAAAAAAAAAAAAAAAAAAAAAAAAAAAAAAAAAAAAAAAAAAAAAAAAAAAAAAAAAAAAAAAAAAAAAAAAAAAAAAAAAAAAAAAAAAAAAFAAAADwAAAAAAAAAAAAAAAAAAAkUAAAAAQAAABQAAAAUAAAAFAAAAAEAAAAAAAAAZAAAAGQAAAAAAAAAZAAAAGQAAAAVAAAAYAAAAAAAAAAAAAAADwAAACADAAAAAAAAAAAAAAEAAACgMgAAVgcAAKr4//8BAAAAf39/AAEAAABkAAAAAAAAABQAAABAHwAAAAAAACYAAAAAAAAAwOD//wAAAAAmAAAAZAAAABYAAABMAAAAAAAAAAAAAAAEAAAAAAAAAAEAAADn5uYKAAAAACgAAAAoAAAAZAAAAGQAAAAAAAAAzMzMAAAAAABQAAAAUAAAAGQAAABkAAAAAAAAABcAAAAUAAAAAAAAAAAAAAD/fwAA/38AAAAAAAAJAAAABAAAAAFuTT0eAAAAaAAAAAAAAAAAAAAAAAAAAAAAAAAAAAAAECcAABAnAAAAAAAAAAAAAAAAAAAAAAAAAAAAAAAAAAAAAAAAAAAAABQAAAAAAAAAwMD/AAAAAABkAAAAMgAAAAAAAABkAAAAAAAAAH9/fwAKAAAAIgAAABgAAAAAAAAAAAAAAAAAAAAAAAAAAAAAAAAAAAAkAAAAJAAAAAAAAAAHAAAAAAAAAAAAAAAAAAAAAAAAAAAAAAAAAAAAf39/ACUAAABYAAAAAAAAAAAAAAAAAAAAAAAAAAAAAAAAAAAAAAAAAAAAAAAAAAAAAAAAAAAAAAA/AAAAAAAAAKCGAQAAAAAAAAAAAAAAAAAMAAAAAQAAAAAAAAAAAAAAAAAAAB8AAABUAAAAAAAABQAAAAEAAAAAAAAAAAAAAAAAAAAAAAAAAAAAAAAAAAAAAAAAAAAAAAJ/f38AAAAAA8zMzADAwP8Af39/AAAAAAAAAAAAAAAAAAAAAAAAAAAAIQAAABgAAAAUAAAAKAUAAD8CAADYRQAAZwoAABAAAAAmAAAACAAAAAAAAAAAAAAAMAAAABQAAAAAAAAAAAD//wAAAQAAAP//AAABAA=="/>
+                <pr:smNativeData xmlns:mc="http://schemas.openxmlformats.org/markup-compatibility/2006" xmlns:p14="http://schemas.microsoft.com/office/powerpoint/2010/main" xmlns:p15="http://schemas.microsoft.com/office/powerpoint/2012/main" xmlns:pr="smNativeData" xmlns="smNativeData" val="SMDATA_16_xzE7ZxMAAAAlAAAAZAAAAA0AAAAAkAAAAEgAAACQAAAASAAAAAAAAAABAAAAAAAAAAEAAABQAAAAAAAAAAAA4D8AAAAAAADgPwAAAAAAAOA/AAAAAAAA4D8AAAAAAADgPwAAAAAAAOA/AAAAAAAA4D8AAAAAAADgPwAAAAAAAOA/AAAAAAAA4D8CAAAAjAAAAAAAAAAAAAAARHLEDP///wgAAAAAAAAAAAAAAAAAAAAAAAAAAAAAAAAAAAAAZAAAAAEAAABAAAAAAAAAAAAAAAAAAAAAAAAAAAAAAAAAAAAAAAAAAAAAAAAAAAAAAAAAAAAAAAAAAAAAAAAAAAAAAAAAAAAAAAAAAAAAAAAAAAAAAAAAAAAAAAAAAAAAFAAAADwAAAAAAAAAAAAAAAAAAAkUAAAAAQAAABQAAAAUAAAAFAAAAAEAAAAAAAAAZAAAAGQAAAAAAAAAZAAAAGQAAAAVAAAAYAAAAAAAAAAAAAAADwAAACADAAAAAAAAAAAAAAEAAACgMgAAVgcAAKr4//8BAAAAf39/AAEAAABkAAAAAAAAABQAAABAHwAAAAAAACYAAAAAAAAAwOD//wAAAAAmAAAAZAAAABYAAABMAAAAAAAAAAAAAAAEAAAAAAAAAAEAAADn5uYKAAAAACgAAAAoAAAAZAAAAGQAAAAAAAAAzMzMAAAAAABQAAAAUAAAAGQAAABkAAAAAAAAABcAAAAUAAAAAAAAAAAAAAD/fwAA/38AAAAAAAAJAAAABAAAAAFuTT0eAAAAaAAAAAAAAAAAAAAAAAAAAAAAAAAAAAAAECcAABAnAAAAAAAAAAAAAAAAAAAAAAAAAAAAAAAAAAAAAAAAAAAAABQAAAAAAAAAwMD/AAAAAABkAAAAMgAAAAAAAABkAAAAAAAAAH9/fwAKAAAAIgAAABgAAAAAAAAAAAAAAAAAAAAAAAAAAAAAAAAAAAAkAAAAJAAAAAAAAAAHAAAAAAAAAAAAAAAAAAAAAAAAAAAAAAAAAAAAf39/ACUAAABYAAAAAAAAAAAAAAAAAAAAAAAAAAAAAAAAAAAAAAAAAAAAAAAAAAAAAAAAAAAAAAA/AAAAAAAAAKCGAQAAAAAAAAAAAAAAAAAMAAAAAQAAAAAAAAAAAAAAAAAAAB8AAABUAAAAAAAABQAAAAEAAAAAAAAAAAAAAAAAAAAAAAAAAAAAAAAAAAAAAAAAAAAAAAJ/f38AAAAAA8zMzADAwP8Af39/AAAAAAAAAAAAAAAAAAAAAAAAAAAAIQAAABgAAAAUAAAAKAUAAD8CAADYRQAAZwoAABAAAAAmAAAACAAAAAAAAAAAAAAAMAAAABQAAAAAAAAAAAD//wAAAQAAAP//AAABAA=="/>
               </a:ext>
             </a:extLst>
           </p:cNvSpPr>
@@ -2740,7 +2578,7 @@
             <a:spLocks noGrp="1" noChangeArrowheads="1"/>
             <a:extLst>
               <a:ext uri="smNativeData">
-                <pr:smNativeData xmlns:pr="smNativeData" xmlns="smNativeData" val="SMDATA_16_xzE7ZxMAAAAlAAAAZAAAAA0AAAAAkAAAAEgAAACQAAAASAAAAAAAAAAAAAAAAAAAAAEAAABQAAAAAAAAAAAA4D8AAAAAAADgPwAAAAAAAOA/AAAAAAAA4D8AAAAAAADgPwAAAAAAAOA/AAAAAAAA4D8AAAAAAADgPwAAAAAAAOA/AAAAAAAA4D8CAAAAjAAAAAAAAAAAAAAARHLEDP///wgAAAAAAAAAAAAAAAAAAAAAAAAAAAAAAAAAAAAAZAAAAAEAAABAAAAAAAAAAAAAAAAAAAAAAAAAAAAAAAAAAAAAAAAAAAAAAAAAAAAAAAAAAAAAAAAAAAAAAAAAAAAAAAAAAAAAAAAAAAAAAAAAAAAAAAAAAAAAAAAAAAAAFAAAADwAAAAAAAAAAAAAAAAAAAkUAAAAAQAAABQAAAAUAAAAFAAAAAEAAAAAAAAAZAAAAGQAAAAAAAAAZAAAAGQAAAAVAAAAYAAAAAAAAAAAAAAADwAAACADAAAAAAAAAAAAAAEAAACgMgAAVgcAAKr4//8BAAAAf39/AAEAAABkAAAAAAAAABQAAABAHwAAAAAAACYAAAAAAAAAwOD//wAAAAAmAAAAZAAAABYAAABMAAAAAAAAAAAAAAAEAAAAAAAAAAEAAADn5uYKAAAAACgAAAAoAAAAZAAAAGQAAAAAAAAAzMzMAAAAAABQAAAAUAAAAGQAAABkAAAAAAAAABcAAAAUAAAAAAAAAAAAAAD/fwAA/38AAAAAAAAJAAAABAAAAODUY0AeAAAAaAAAAAAAAAAAAAAAAAAAAAAAAAAAAAAAECcAABAnAAAAAAAAAAAAAAAAAAAAAAAAAAAAAAAAAAAAAAAAAAAAABQAAAAAAAAAwMD/AAAAAABkAAAAMgAAAAAAAABkAAAAAAAAAH9/fwAKAAAAIgAAABgAAAAAAAAAAAAAAAAAAAAAAAAAAAAAAAAAAAAkAAAAJAAAAAAAAAAHAAAAAAAAAAAAAAAAAAAAAAAAAAAAAAAAAAAAf39/ACUAAABYAAAAAAAAAAAAAAAAAAAAAAAAAAAAAAAAAAAAAAAAAAAAAAAAAAAAAAAAAAAAAAA/AAAAAAAAAKCGAQAAAAAAAAAAAAAAAAAMAAAAAQAAAAAAAAAAAAAAAAAAAB8AAABUAAAAAAAABQAAAAEAAAAAAAAAAAAAAAAAAAAAAAAAAAAAAAAAAAAAAAAAAAAAAAJ/f38AAAAAA8zMzADAwP8Af39/AAAAAAAAAAAAAAAAAAAAAAAAAAAAIQAAABgAAAAUAAAAKAUAADsLAAAIJQAAACYAABAAAAAmAAAACAAAAAEAAAAAAAAAMAAAABQAAAAAAAAAAAD//wAAAQAAAP//AAABAA=="/>
+                <pr:smNativeData xmlns:mc="http://schemas.openxmlformats.org/markup-compatibility/2006" xmlns:p14="http://schemas.microsoft.com/office/powerpoint/2010/main" xmlns:p15="http://schemas.microsoft.com/office/powerpoint/2012/main" xmlns:pr="smNativeData" xmlns="smNativeData" val="SMDATA_16_xzE7ZxMAAAAlAAAAZAAAAA0AAAAAkAAAAEgAAACQAAAASAAAAAAAAAAAAAAAAAAAAAEAAABQAAAAAAAAAAAA4D8AAAAAAADgPwAAAAAAAOA/AAAAAAAA4D8AAAAAAADgPwAAAAAAAOA/AAAAAAAA4D8AAAAAAADgPwAAAAAAAOA/AAAAAAAA4D8CAAAAjAAAAAAAAAAAAAAARHLEDP///wgAAAAAAAAAAAAAAAAAAAAAAAAAAAAAAAAAAAAAZAAAAAEAAABAAAAAAAAAAAAAAAAAAAAAAAAAAAAAAAAAAAAAAAAAAAAAAAAAAAAAAAAAAAAAAAAAAAAAAAAAAAAAAAAAAAAAAAAAAAAAAAAAAAAAAAAAAAAAAAAAAAAAFAAAADwAAAAAAAAAAAAAAAAAAAkUAAAAAQAAABQAAAAUAAAAFAAAAAEAAAAAAAAAZAAAAGQAAAAAAAAAZAAAAGQAAAAVAAAAYAAAAAAAAAAAAAAADwAAACADAAAAAAAAAAAAAAEAAACgMgAAVgcAAKr4//8BAAAAf39/AAEAAABkAAAAAAAAABQAAABAHwAAAAAAACYAAAAAAAAAwOD//wAAAAAmAAAAZAAAABYAAABMAAAAAAAAAAAAAAAEAAAAAAAAAAEAAADn5uYKAAAAACgAAAAoAAAAZAAAAGQAAAAAAAAAzMzMAAAAAABQAAAAUAAAAGQAAABkAAAAAAAAABcAAAAUAAAAAAAAAAAAAAD/fwAA/38AAAAAAAAJAAAABAAAAODUY0AeAAAAaAAAAAAAAAAAAAAAAAAAAAAAAAAAAAAAECcAABAnAAAAAAAAAAAAAAAAAAAAAAAAAAAAAAAAAAAAAAAAAAAAABQAAAAAAAAAwMD/AAAAAABkAAAAMgAAAAAAAABkAAAAAAAAAH9/fwAKAAAAIgAAABgAAAAAAAAAAAAAAAAAAAAAAAAAAAAAAAAAAAAkAAAAJAAAAAAAAAAHAAAAAAAAAAAAAAAAAAAAAAAAAAAAAAAAAAAAf39/ACUAAABYAAAAAAAAAAAAAAAAAAAAAAAAAAAAAAAAAAAAAAAAAAAAAAAAAAAAAAAAAAAAAAA/AAAAAAAAAKCGAQAAAAAAAAAAAAAAAAAMAAAAAQAAAAAAAAAAAAAAAAAAAB8AAABUAAAAAAAABQAAAAEAAAAAAAAAAAAAAAAAAAAAAAAAAAAAAAAAAAAAAAAAAAAAAAJ/f38AAAAAA8zMzADAwP8Af39/AAAAAAAAAAAAAAAAAAAAAAAAAAAAIQAAABgAAAAUAAAAKAUAADsLAAAIJQAAACYAABAAAAAmAAAACAAAAAEAAAAAAAAAMAAAABQAAAAAAAAAAAD//wAAAQAAAP//AAABAA=="/>
               </a:ext>
             </a:extLst>
           </p:cNvSpPr>
@@ -2806,7 +2644,7 @@
             <a:spLocks noGrp="1" noChangeArrowheads="1"/>
             <a:extLst>
               <a:ext uri="smNativeData">
-                <pr:smNativeData xmlns:pr="smNativeData" xmlns="smNativeData" val="SMDATA_16_xzE7ZxMAAAAlAAAAZAAAAA0AAAAAkAAAAEgAAACQAAAASAAAAAAAAAAAAAAAAAAAAAEAAABQAAAAAAAAAAAA4D8AAAAAAADgPwAAAAAAAOA/AAAAAAAA4D8AAAAAAADgPwAAAAAAAOA/AAAAAAAA4D8AAAAAAADgPwAAAAAAAOA/AAAAAAAA4D8CAAAAjAAAAAAAAAAAAAAARHLEDP///wgAAAAAAAAAAAAAAAAAAAAAAAAAAAAAAAAAAAAAZAAAAAEAAABAAAAAAAAAAAAAAAAAAAAAAAAAAAAAAAAAAAAAAAAAAAAAAAAAAAAAAAAAAAAAAAAAAAAAAAAAAAAAAAAAAAAAAAAAAAAAAAAAAAAAAAAAAAAAAAAAAAAAFAAAADwAAAAAAAAAAAAAAAAAAAkUAAAAAQAAABQAAAAUAAAAFAAAAAEAAAAAAAAAZAAAAGQAAAAAAAAAZAAAAGQAAAAVAAAAYAAAAAAAAAAAAAAADwAAACADAAAAAAAAAAAAAAEAAACgMgAAVgcAAKr4//8BAAAAf39/AAEAAABkAAAAAAAAABQAAABAHwAAAAAAACYAAAAAAAAAwOD//wAAAAAmAAAAZAAAABYAAABMAAAAAAAAAAAAAAAEAAAAAAAAAAEAAADn5uYKAAAAACgAAAAoAAAAZAAAAGQAAAAAAAAAzMzMAAAAAABQAAAAUAAAAGQAAABkAAAAAAAAABcAAAAUAAAAAAAAAAAAAAD/fwAA/38AAAAAAAAJAAAABAAAAAAAAAAeAAAAaAAAAAAAAAAAAAAAAAAAAAAAAAAAAAAAECcAABAnAAAAAAAAAAAAAAAAAAAAAAAAAAAAAAAAAAAAAAAAAAAAABQAAAAAAAAAwMD/AAAAAABkAAAAMgAAAAAAAABkAAAAAAAAAH9/fwAKAAAAIgAAABgAAAAAAAAAAAAAAAAAAAAAAAAAAAAAAAAAAAAkAAAAJAAAAAAAAAAHAAAAAAAAAAAAAAAAAAAAAAAAAAAAAAAAAAAAf39/ACUAAABYAAAAAAAAAAAAAAAAAAAAAAAAAAAAAAAAAAAAAAAAAAAAAAAAAAAAAAAAAAAAAAA/AAAAAAAAAKCGAQAAAAAAAAAAAAAAAAAMAAAAAQAAAAAAAAAAAAAAAAAAAB8AAABUAAAAAAAABQAAAAEAAAAAAAAAAAAAAAAAAAAAAAAAAAAAAAAAAAAAAAAAAAAAAAJ/f38AAAAAA8zMzADAwP8Af39/AAAAAAAAAAAAAAAAAAAAAAAAAAAAIQAAABgAAAAUAAAA+CUAADsLAADYRQAAACYAABAAAAAmAAAACAAAAAEAAAAAAAAAMAAAABQAAAAAAAAAAAD//wAAAQAAAP//AAABAA=="/>
+                <pr:smNativeData xmlns:mc="http://schemas.openxmlformats.org/markup-compatibility/2006" xmlns:p14="http://schemas.microsoft.com/office/powerpoint/2010/main" xmlns:p15="http://schemas.microsoft.com/office/powerpoint/2012/main" xmlns:pr="smNativeData" xmlns="smNativeData" val="SMDATA_16_xzE7ZxMAAAAlAAAAZAAAAA0AAAAAkAAAAEgAAACQAAAASAAAAAAAAAAAAAAAAAAAAAEAAABQAAAAAAAAAAAA4D8AAAAAAADgPwAAAAAAAOA/AAAAAAAA4D8AAAAAAADgPwAAAAAAAOA/AAAAAAAA4D8AAAAAAADgPwAAAAAAAOA/AAAAAAAA4D8CAAAAjAAAAAAAAAAAAAAARHLEDP///wgAAAAAAAAAAAAAAAAAAAAAAAAAAAAAAAAAAAAAZAAAAAEAAABAAAAAAAAAAAAAAAAAAAAAAAAAAAAAAAAAAAAAAAAAAAAAAAAAAAAAAAAAAAAAAAAAAAAAAAAAAAAAAAAAAAAAAAAAAAAAAAAAAAAAAAAAAAAAAAAAAAAAFAAAADwAAAAAAAAAAAAAAAAAAAkUAAAAAQAAABQAAAAUAAAAFAAAAAEAAAAAAAAAZAAAAGQAAAAAAAAAZAAAAGQAAAAVAAAAYAAAAAAAAAAAAAAADwAAACADAAAAAAAAAAAAAAEAAACgMgAAVgcAAKr4//8BAAAAf39/AAEAAABkAAAAAAAAABQAAABAHwAAAAAAACYAAAAAAAAAwOD//wAAAAAmAAAAZAAAABYAAABMAAAAAAAAAAAAAAAEAAAAAAAAAAEAAADn5uYKAAAAACgAAAAoAAAAZAAAAGQAAAAAAAAAzMzMAAAAAABQAAAAUAAAAGQAAABkAAAAAAAAABcAAAAUAAAAAAAAAAAAAAD/fwAA/38AAAAAAAAJAAAABAAAAAAAAAAeAAAAaAAAAAAAAAAAAAAAAAAAAAAAAAAAAAAAECcAABAnAAAAAAAAAAAAAAAAAAAAAAAAAAAAAAAAAAAAAAAAAAAAABQAAAAAAAAAwMD/AAAAAABkAAAAMgAAAAAAAABkAAAAAAAAAH9/fwAKAAAAIgAAABgAAAAAAAAAAAAAAAAAAAAAAAAAAAAAAAAAAAAkAAAAJAAAAAAAAAAHAAAAAAAAAAAAAAAAAAAAAAAAAAAAAAAAAAAAf39/ACUAAABYAAAAAAAAAAAAAAAAAAAAAAAAAAAAAAAAAAAAAAAAAAAAAAAAAAAAAAAAAAAAAAA/AAAAAAAAAKCGAQAAAAAAAAAAAAAAAAAMAAAAAQAAAAAAAAAAAAAAAAAAAB8AAABUAAAAAAAABQAAAAEAAAAAAAAAAAAAAAAAAAAAAAAAAAAAAAAAAAAAAAAAAAAAAAJ/f38AAAAAA8zMzADAwP8Af39/AAAAAAAAAAAAAAAAAAAAAAAAAAAAIQAAABgAAAAUAAAA+CUAADsLAADYRQAAACYAABAAAAAmAAAACAAAAAEAAAAAAAAAMAAAABQAAAAAAAAAAAD//wAAAQAAAP//AAABAA=="/>
               </a:ext>
             </a:extLst>
           </p:cNvSpPr>
@@ -2872,7 +2710,7 @@
             <a:spLocks noGrp="1" noChangeArrowheads="1"/>
             <a:extLst>
               <a:ext uri="smNativeData">
-                <pr:smNativeData xmlns:pr="smNativeData" xmlns="smNativeData" val="SMDATA_16_xzE7ZxMAAAAlAAAAZAAAAA0AAAAAkAAAAEgAAACQAAAASAAAAAAAAAABAAAAAAAAAAEAAABQAAAAAAAAAAAA4D8AAAAAAADgPwAAAAAAAOA/AAAAAAAA4D8AAAAAAADgPwAAAAAAAOA/AAAAAAAA4D8AAAAAAADgPwAAAAAAAOA/AAAAAAAA4D8CAAAAjAAAAAAAAAAAAAAARHLEDP///wgAAAAAAAAAAAAAAAAAAAAAAAAAAAAAAAAAAAAAZAAAAAEAAABAAAAAAAAAAAAAAAAAAAAAAAAAAAAAAAAAAAAAAAAAAAAAAAAAAAAAAAAAAAAAAAAAAAAAAAAAAAAAAAAAAAAAAAAAAAAAAAAAAAAAAAAAAAAAAAAAAAAAFAAAADwAAAAAAAAAAAAAAAAAAAkUAAAAAQAAABQAAAAUAAAAFAAAAAEAAAAAAAAAZAAAAGQAAAAAAAAAZAAAAGQAAAAVAAAAYAAAAAAAAAAAAAAADwAAACADAAAAAAAAAAAAAAEAAACgMgAAVgcAAKr4//8BAAAAf39/AAEAAABkAAAAAAAAABQAAABAHwAAAAAAACYAAAAAAAAAwOD//wAAAAAmAAAAZAAAABYAAABMAAAAAAAAAAAAAAAEAAAAAAAAAAEAAADn5uYKAAAAACgAAAAoAAAAZAAAAGQAAAAAAAAAzMzMAAAAAABQAAAAUAAAAGQAAABkAAAAAAAAABcAAAAUAAAAAAAAAAAAAAD/fwAA/38AAAAAAAAJAAAABAAAAGYo8TweAAAAaAAAAAAAAAAAAAAAAAAAAAAAAAAAAAAAECcAABAnAAAAAAAAAAAAAAAAAAAAAAAAAAAAAAAAAAAAAAAAAAAAABQAAAAAAAAAwMD/AAAAAABkAAAAMgAAAAAAAABkAAAAAAAAAH9/fwAKAAAAIgAAABgAAAAAAAAAAAAAAAAAAAAAAAAAAAAAAAAAAAAkAAAAJAAAAAAAAAAHAAAAAAAAAAAAAAAAAAAAAAAAAAAAAAAAAAAAf39/ACUAAABYAAAAAAAAAAAAAAAAAAAAAAAAAAAAAAAAAAAAAAAAAAAAAAAAAAAAAAAAAAAAAAA/AAAAAAAAAKCGAQAAAAAAAAAAAAAAAAAMAAAAAQAAAAAAAAAAAAAAAAAAAB8AAABUAAAAAAAABQAAAAEAAAAAAAAAAAAAAAAAAAAAAAAAAAAAAAAAAAAAAAAAAAAAAAJ/f38AAAAAA8zMzADAwP8Af39/AAAAAAAAAAAAAAAAAAAAAAAAAAAAIQAAABgAAAAUAAAAKAUAABonAAAIFgAAWSkAABAAAAAmAAAACAAAAAAAAAAAAAAAMAAAABQAAAAAAAAAAAD//wAAAQAAAP//AAABAA=="/>
+                <pr:smNativeData xmlns:mc="http://schemas.openxmlformats.org/markup-compatibility/2006" xmlns:p14="http://schemas.microsoft.com/office/powerpoint/2010/main" xmlns:p15="http://schemas.microsoft.com/office/powerpoint/2012/main" xmlns:pr="smNativeData" xmlns="smNativeData" val="SMDATA_16_xzE7ZxMAAAAlAAAAZAAAAA0AAAAAkAAAAEgAAACQAAAASAAAAAAAAAABAAAAAAAAAAEAAABQAAAAAAAAAAAA4D8AAAAAAADgPwAAAAAAAOA/AAAAAAAA4D8AAAAAAADgPwAAAAAAAOA/AAAAAAAA4D8AAAAAAADgPwAAAAAAAOA/AAAAAAAA4D8CAAAAjAAAAAAAAAAAAAAARHLEDP///wgAAAAAAAAAAAAAAAAAAAAAAAAAAAAAAAAAAAAAZAAAAAEAAABAAAAAAAAAAAAAAAAAAAAAAAAAAAAAAAAAAAAAAAAAAAAAAAAAAAAAAAAAAAAAAAAAAAAAAAAAAAAAAAAAAAAAAAAAAAAAAAAAAAAAAAAAAAAAAAAAAAAAFAAAADwAAAAAAAAAAAAAAAAAAAkUAAAAAQAAABQAAAAUAAAAFAAAAAEAAAAAAAAAZAAAAGQAAAAAAAAAZAAAAGQAAAAVAAAAYAAAAAAAAAAAAAAADwAAACADAAAAAAAAAAAAAAEAAACgMgAAVgcAAKr4//8BAAAAf39/AAEAAABkAAAAAAAAABQAAABAHwAAAAAAACYAAAAAAAAAwOD//wAAAAAmAAAAZAAAABYAAABMAAAAAAAAAAAAAAAEAAAAAAAAAAEAAADn5uYKAAAAACgAAAAoAAAAZAAAAGQAAAAAAAAAzMzMAAAAAABQAAAAUAAAAGQAAABkAAAAAAAAABcAAAAUAAAAAAAAAAAAAAD/fwAA/38AAAAAAAAJAAAABAAAAGYo8TweAAAAaAAAAAAAAAAAAAAAAAAAAAAAAAAAAAAAECcAABAnAAAAAAAAAAAAAAAAAAAAAAAAAAAAAAAAAAAAAAAAAAAAABQAAAAAAAAAwMD/AAAAAABkAAAAMgAAAAAAAABkAAAAAAAAAH9/fwAKAAAAIgAAABgAAAAAAAAAAAAAAAAAAAAAAAAAAAAAAAAAAAAkAAAAJAAAAAAAAAAHAAAAAAAAAAAAAAAAAAAAAAAAAAAAAAAAAAAAf39/ACUAAABYAAAAAAAAAAAAAAAAAAAAAAAAAAAAAAAAAAAAAAAAAAAAAAAAAAAAAAAAAAAAAAA/AAAAAAAAAKCGAQAAAAAAAAAAAAAAAAAMAAAAAQAAAAAAAAAAAAAAAAAAAB8AAABUAAAAAAAABQAAAAEAAAAAAAAAAAAAAAAAAAAAAAAAAAAAAAAAAAAAAAAAAAAAAAJ/f38AAAAAA8zMzADAwP8Af39/AAAAAAAAAAAAAAAAAAAAAAAAAAAAIQAAABgAAAAUAAAAKAUAABonAAAIFgAAWSkAABAAAAAmAAAACAAAAAAAAAAAAAAAMAAAABQAAAAAAAAAAAD//wAAAQAAAP//AAABAA=="/>
               </a:ext>
             </a:extLst>
           </p:cNvSpPr>
@@ -2889,8 +2727,9 @@
               <a:defRPr lang="ru-ru"/>
             </a:pPr>
             <a:fld id="{3BC5B6D3-9DD6-9040-987D-6B15F8336E3E}" type="datetime1">
-              <a:t>18.11.2024</a:t>
+              <a:t>20.11.2024</a:t>
             </a:fld>
+            <a:endParaRPr/>
           </a:p>
         </p:txBody>
       </p:sp>
@@ -2901,7 +2740,7 @@
             <a:spLocks noGrp="1" noChangeArrowheads="1"/>
             <a:extLst>
               <a:ext uri="smNativeData">
-                <pr:smNativeData xmlns:pr="smNativeData" xmlns="smNativeData" val="SMDATA_16_xzE7ZxMAAAAlAAAAZAAAAA0AAAAAkAAAAEgAAACQAAAASAAAAAAAAAABAAAAAAAAAAEAAABQAAAAAAAAAAAA4D8AAAAAAADgPwAAAAAAAOA/AAAAAAAA4D8AAAAAAADgPwAAAAAAAOA/AAAAAAAA4D8AAAAAAADgPwAAAAAAAOA/AAAAAAAA4D8CAAAAjAAAAAAAAAAAAAAARHLEDP///wgAAAAAAAAAAAAAAAAAAAAAAAAAAAAAAAAAAAAAZAAAAAEAAABAAAAAAAAAAAAAAAAAAAAAAAAAAAAAAAAAAAAAAAAAAAAAAAAAAAAAAAAAAAAAAAAAAAAAAAAAAAAAAAAAAAAAAAAAAAAAAAAAAAAAAAAAAAAAAAAAAAAAFAAAADwAAAAAAAAAAAAAAAAAAAkUAAAAAQAAABQAAAAUAAAAFAAAAAEAAAAAAAAAZAAAAGQAAAAAAAAAZAAAAGQAAAAVAAAAYAAAAAAAAAAAAAAADwAAACADAAAAAAAAAAAAAAEAAACgMgAAVgcAAKr4//8BAAAAf39/AAEAAABkAAAAAAAAABQAAABAHwAAAAAAACYAAAAAAAAAwOD//wAAAAAmAAAAZAAAABYAAABMAAAAAAAAAAAAAAAEAAAAAAAAAAEAAADn5uYKAAAAACgAAAAoAAAAZAAAAGQAAAAAAAAAzMzMAAAAAABQAAAAUAAAAGQAAABkAAAAAAAAABcAAAAUAAAAAAAAAAAAAAD/fwAA/38AAAAAAAAJAAAABAAAAAAAAAAeAAAAaAAAAAAAAAAAAAAAAAAAAAAAAAAAAAAAECcAABAnAAAAAAAAAAAAAAAAAAAAAAAAAAAAAAAAAAAAAAAAAAAAABQAAAAAAAAAwMD/AAAAAABkAAAAMgAAAAAAAABkAAAAAAAAAH9/fwAKAAAAIgAAABgAAAAAAAAAAAAAAAAAAAAAAAAAAAAAAAAAAAAkAAAAJAAAAAAAAAAHAAAAAAAAAAAAAAAAAAAAAAAAAAAAAAAAAAAAf39/ACUAAABYAAAAAAAAAAAAAAAAAAAAAAAAAAAAAAAAAAAAAAAAAAAAAAAAAAAAAAAAAAAAAAA/AAAAAAAAAKCGAQAAAAAAAAAAAAAAAAAMAAAAAQAAAAAAAAAAAAAAAAAAAB8AAABUAAAAAAAABQAAAAEAAAAAAAAAAAAAAAAAAAAAAAAAAAAAAAAAAAAAAAAAAAAAAAJ/f38AAAAAA8zMzADAwP8Af39/AAAAAAAAAAAAAAAAAAAAAAAAAAAAIQAAABgAAAAUAAAA2BgAABonAAAoMgAAWSkAABAAAAAmAAAACAAAAAAAAAAAAAAAMAAAABQAAAAAAAAAAAD//wAAAQAAAP//AAABAA=="/>
+                <pr:smNativeData xmlns:mc="http://schemas.openxmlformats.org/markup-compatibility/2006" xmlns:p14="http://schemas.microsoft.com/office/powerpoint/2010/main" xmlns:p15="http://schemas.microsoft.com/office/powerpoint/2012/main" xmlns:pr="smNativeData" xmlns="smNativeData" val="SMDATA_16_xzE7ZxMAAAAlAAAAZAAAAA0AAAAAkAAAAEgAAACQAAAASAAAAAAAAAABAAAAAAAAAAEAAABQAAAAAAAAAAAA4D8AAAAAAADgPwAAAAAAAOA/AAAAAAAA4D8AAAAAAADgPwAAAAAAAOA/AAAAAAAA4D8AAAAAAADgPwAAAAAAAOA/AAAAAAAA4D8CAAAAjAAAAAAAAAAAAAAARHLEDP///wgAAAAAAAAAAAAAAAAAAAAAAAAAAAAAAAAAAAAAZAAAAAEAAABAAAAAAAAAAAAAAAAAAAAAAAAAAAAAAAAAAAAAAAAAAAAAAAAAAAAAAAAAAAAAAAAAAAAAAAAAAAAAAAAAAAAAAAAAAAAAAAAAAAAAAAAAAAAAAAAAAAAAFAAAADwAAAAAAAAAAAAAAAAAAAkUAAAAAQAAABQAAAAUAAAAFAAAAAEAAAAAAAAAZAAAAGQAAAAAAAAAZAAAAGQAAAAVAAAAYAAAAAAAAAAAAAAADwAAACADAAAAAAAAAAAAAAEAAACgMgAAVgcAAKr4//8BAAAAf39/AAEAAABkAAAAAAAAABQAAABAHwAAAAAAACYAAAAAAAAAwOD//wAAAAAmAAAAZAAAABYAAABMAAAAAAAAAAAAAAAEAAAAAAAAAAEAAADn5uYKAAAAACgAAAAoAAAAZAAAAGQAAAAAAAAAzMzMAAAAAABQAAAAUAAAAGQAAABkAAAAAAAAABcAAAAUAAAAAAAAAAAAAAD/fwAA/38AAAAAAAAJAAAABAAAAAAAAAAeAAAAaAAAAAAAAAAAAAAAAAAAAAAAAAAAAAAAECcAABAnAAAAAAAAAAAAAAAAAAAAAAAAAAAAAAAAAAAAAAAAAAAAABQAAAAAAAAAwMD/AAAAAABkAAAAMgAAAAAAAABkAAAAAAAAAH9/fwAKAAAAIgAAABgAAAAAAAAAAAAAAAAAAAAAAAAAAAAAAAAAAAAkAAAAJAAAAAAAAAAHAAAAAAAAAAAAAAAAAAAAAAAAAAAAAAAAAAAAf39/ACUAAABYAAAAAAAAAAAAAAAAAAAAAAAAAAAAAAAAAAAAAAAAAAAAAAAAAAAAAAAAAAAAAAA/AAAAAAAAAKCGAQAAAAAAAAAAAAAAAAAMAAAAAQAAAAAAAAAAAAAAAAAAAB8AAABUAAAAAAAABQAAAAEAAAAAAAAAAAAAAAAAAAAAAAAAAAAAAAAAAAAAAAAAAAAAAAJ/f38AAAAAA8zMzADAwP8Af39/AAAAAAAAAAAAAAAAAAAAAAAAAAAAIQAAABgAAAAUAAAA2BgAABonAAAoMgAAWSkAABAAAAAmAAAACAAAAAAAAAAAAAAAMAAAABQAAAAAAAAAAAD//wAAAQAAAP//AAABAA=="/>
               </a:ext>
             </a:extLst>
           </p:cNvSpPr>
@@ -2917,6 +2756,7 @@
             <a:pPr>
               <a:defRPr lang="ru-ru"/>
             </a:pPr>
+            <a:endParaRPr/>
           </a:p>
         </p:txBody>
       </p:sp>
@@ -2927,7 +2767,7 @@
             <a:spLocks noGrp="1" noChangeArrowheads="1"/>
             <a:extLst>
               <a:ext uri="smNativeData">
-                <pr:smNativeData xmlns:pr="smNativeData" xmlns="smNativeData" val="SMDATA_16_xzE7ZxMAAAAlAAAAZAAAAA0AAAAAkAAAAEgAAACQAAAASAAAAAAAAAABAAAAAAAAAAEAAABQAAAAAAAAAAAA4D8AAAAAAADgPwAAAAAAAOA/AAAAAAAA4D8AAAAAAADgPwAAAAAAAOA/AAAAAAAA4D8AAAAAAADgPwAAAAAAAOA/AAAAAAAA4D8CAAAAjAAAAAAAAAAAAAAARHLEDP///wgAAAAAAAAAAAAAAAAAAAAAAAAAAAAAAAAAAAAAZAAAAAEAAABAAAAAAAAAAAAAAAAAAAAAAAAAAAAAAAAAAAAAAAAAAAAAAAAAAAAAAAAAAAAAAAAAAAAAAAAAAAAAAAAAAAAAAAAAAAAAAAAAAAAAAAAAAAAAAAAAAAAAFAAAADwAAAAAAAAAAAAAAAAAAAkUAAAAAQAAABQAAAAUAAAAFAAAAAEAAAAAAAAAZAAAAGQAAAAAAAAAZAAAAGQAAAAVAAAAYAAAAAAAAAAAAAAADwAAACADAAAAAAAAAAAAAAEAAACgMgAAVgcAAKr4//8BAAAAf39/AAEAAABkAAAAAAAAABQAAABAHwAAAAAAACYAAAAAAAAAwOD//wAAAAAmAAAAZAAAABYAAABMAAAAAAAAAAAAAAAEAAAAAAAAAAEAAADn5uYKAAAAACgAAAAoAAAAZAAAAGQAAAAAAAAAzMzMAAAAAABQAAAAUAAAAGQAAABkAAAAAAAAABcAAAAUAAAAAAAAAAAAAAD/fwAA/38AAAAAAAAJAAAABAAAAAAAAAAeAAAAaAAAAAAAAAAAAAAAAAAAAAAAAAAAAAAAECcAABAnAAAAAAAAAAAAAAAAAAAAAAAAAAAAAAAAAAAAAAAAAAAAABQAAAAAAAAAwMD/AAAAAABkAAAAMgAAAAAAAABkAAAAAAAAAH9/fwAKAAAAIgAAABgAAAAAAAAAAAAAAAAAAAAAAAAAAAAAAAAAAAAkAAAAJAAAAAAAAAAHAAAAAAAAAAAAAAAAAAAAAAAAAAAAAAAAAAAAf39/ACUAAABYAAAAAAAAAAAAAAAAAAAAAAAAAAAAAAAAAAAAAAAAAAAAAAAAAAAAAAAAAAAAAAA/AAAAAAAAAKCGAQAAAAAAAAAAAAAAAAAMAAAAAQAAAAAAAAAAAAAAAAAAAB8AAABUAAAAAAAABQAAAAEAAAAAAAAAAAAAAAAAAAAAAAAAAAAAAAAAAAAAAAAAAAAAAAJ/f38AAAAAA8zMzADAwP8Af39/AAAAAAAAAAAAAAAAAAAAAAAAAAAAIQAAABgAAAAUAAAA+DQAABonAADYRQAAWSkAABAAAAAmAAAACAAAAAAAAAAAAAAAMAAAABQAAAAAAAAAAAD//wAAAQAAAP//AAABAA=="/>
+                <pr:smNativeData xmlns:mc="http://schemas.openxmlformats.org/markup-compatibility/2006" xmlns:p14="http://schemas.microsoft.com/office/powerpoint/2010/main" xmlns:p15="http://schemas.microsoft.com/office/powerpoint/2012/main" xmlns:pr="smNativeData" xmlns="smNativeData" val="SMDATA_16_xzE7ZxMAAAAlAAAAZAAAAA0AAAAAkAAAAEgAAACQAAAASAAAAAAAAAABAAAAAAAAAAEAAABQAAAAAAAAAAAA4D8AAAAAAADgPwAAAAAAAOA/AAAAAAAA4D8AAAAAAADgPwAAAAAAAOA/AAAAAAAA4D8AAAAAAADgPwAAAAAAAOA/AAAAAAAA4D8CAAAAjAAAAAAAAAAAAAAARHLEDP///wgAAAAAAAAAAAAAAAAAAAAAAAAAAAAAAAAAAAAAZAAAAAEAAABAAAAAAAAAAAAAAAAAAAAAAAAAAAAAAAAAAAAAAAAAAAAAAAAAAAAAAAAAAAAAAAAAAAAAAAAAAAAAAAAAAAAAAAAAAAAAAAAAAAAAAAAAAAAAAAAAAAAAFAAAADwAAAAAAAAAAAAAAAAAAAkUAAAAAQAAABQAAAAUAAAAFAAAAAEAAAAAAAAAZAAAAGQAAAAAAAAAZAAAAGQAAAAVAAAAYAAAAAAAAAAAAAAADwAAACADAAAAAAAAAAAAAAEAAACgMgAAVgcAAKr4//8BAAAAf39/AAEAAABkAAAAAAAAABQAAABAHwAAAAAAACYAAAAAAAAAwOD//wAAAAAmAAAAZAAAABYAAABMAAAAAAAAAAAAAAAEAAAAAAAAAAEAAADn5uYKAAAAACgAAAAoAAAAZAAAAGQAAAAAAAAAzMzMAAAAAABQAAAAUAAAAGQAAABkAAAAAAAAABcAAAAUAAAAAAAAAAAAAAD/fwAA/38AAAAAAAAJAAAABAAAAAAAAAAeAAAAaAAAAAAAAAAAAAAAAAAAAAAAAAAAAAAAECcAABAnAAAAAAAAAAAAAAAAAAAAAAAAAAAAAAAAAAAAAAAAAAAAABQAAAAAAAAAwMD/AAAAAABkAAAAMgAAAAAAAABkAAAAAAAAAH9/fwAKAAAAIgAAABgAAAAAAAAAAAAAAAAAAAAAAAAAAAAAAAAAAAAkAAAAJAAAAAAAAAAHAAAAAAAAAAAAAAAAAAAAAAAAAAAAAAAAAAAAf39/ACUAAABYAAAAAAAAAAAAAAAAAAAAAAAAAAAAAAAAAAAAAAAAAAAAAAAAAAAAAAAAAAAAAAA/AAAAAAAAAKCGAQAAAAAAAAAAAAAAAAAMAAAAAQAAAAAAAAAAAAAAAAAAAB8AAABUAAAAAAAABQAAAAEAAAAAAAAAAAAAAAAAAAAAAAAAAAAAAAAAAAAAAAAAAAAAAAJ/f38AAAAAA8zMzADAwP8Af39/AAAAAAAAAAAAAAAAAAAAAAAAAAAAIQAAABgAAAAUAAAA+DQAABonAADYRQAAWSkAABAAAAAmAAAACAAAAAAAAAAAAAAAMAAAABQAAAAAAAAAAAD//wAAAQAAAP//AAABAA=="/>
               </a:ext>
             </a:extLst>
           </p:cNvSpPr>
@@ -2946,6 +2786,7 @@
             <a:fld id="{3BC5A3C5-8BD6-9055-987D-7D00ED336E28}" type="slidenum">
               <a:t>‹#›</a:t>
             </a:fld>
+            <a:endParaRPr/>
           </a:p>
         </p:txBody>
       </p:sp>
@@ -2959,7 +2800,7 @@
 </file>
 
 <file path=ppt/slideLayouts/slideLayout5.xml><?xml version="1.0" encoding="utf-8"?>
-<p:sldLayout xmlns:p="http://schemas.openxmlformats.org/presentationml/2006/main" xmlns:mc="http://schemas.openxmlformats.org/markup-compatibility/2006" xmlns:p14="http://schemas.microsoft.com/office/powerpoint/2010/main" xmlns:p15="http://schemas.microsoft.com/office/powerpoint/2012/main" xmlns:r="http://schemas.openxmlformats.org/officeDocument/2006/relationships" xmlns:a="http://schemas.openxmlformats.org/drawingml/2006/main" type="twoTxTwoObj" preserve="1">
+<p:sldLayout xmlns:a="http://schemas.openxmlformats.org/drawingml/2006/main" xmlns:r="http://schemas.openxmlformats.org/officeDocument/2006/relationships" xmlns:p="http://schemas.openxmlformats.org/presentationml/2006/main" type="twoTxTwoObj" preserve="1">
   <p:cSld name="Сравнение">
     <p:spTree>
       <p:nvGrpSpPr>
@@ -2982,7 +2823,7 @@
             <a:spLocks noGrp="1" noChangeArrowheads="1"/>
             <a:extLst>
               <a:ext uri="smNativeData">
-                <pr:smNativeData xmlns:pr="smNativeData" xmlns="smNativeData" val="SMDATA_16_xzE7ZxMAAAAlAAAAZAAAAA0AAAAAkAAAAEgAAACQAAAASAAAAAAAAAABAAAAAAAAAAEAAABQAAAAAAAAAAAA4D8AAAAAAADgPwAAAAAAAOA/AAAAAAAA4D8AAAAAAADgPwAAAAAAAOA/AAAAAAAA4D8AAAAAAADgPwAAAAAAAOA/AAAAAAAA4D8CAAAAjAAAAAAAAAAAAAAARHLEDP///wgAAAAAAAAAAAAAAAAAAAAAAAAAAAAAAAAAAAAAZAAAAAEAAABAAAAAAAAAAAAAAAAAAAAAAAAAAAAAAAAAAAAAAAAAAAAAAAAAAAAAAAAAAAAAAAAAAAAAAAAAAAAAAAAAAAAAAAAAAAAAAAAAAAAAAAAAAAAAAAAAAAAAFAAAADwAAAAAAAAAAAAAAAAAAAkUAAAAAQAAABQAAAAUAAAAFAAAAAEAAAAAAAAAZAAAAGQAAAAAAAAAZAAAAGQAAAAVAAAAYAAAAAAAAAAAAAAADwAAACADAAAAAAAAAAAAAAEAAACgMgAAVgcAAKr4//8BAAAAf39/AAEAAABkAAAAAAAAABQAAABAHwAAAAAAACYAAAAAAAAAwOD//wAAAAAmAAAAZAAAABYAAABMAAAAAAAAAAAAAAAEAAAAAAAAAAEAAADn5uYKAAAAACgAAAAoAAAAZAAAAGQAAAAAAAAAzMzMAAAAAABQAAAAUAAAAGQAAABkAAAAAAAAABcAAAAUAAAAAAAAAAAAAAD/fwAA/38AAAAAAAAJAAAABAAAAAAAAAAeAAAAaAAAAAAAAAAAAAAAAAAAAAAAAAAAAAAAECcAABAnAAAAAAAAAAAAAAAAAAAAAAAAAAAAAAAAAAAAAAAAAAAAABQAAAAAAAAAwMD/AAAAAABkAAAAMgAAAAAAAABkAAAAAAAAAH9/fwAKAAAAIgAAABgAAAAAAAAAAAAAAAAAAAAAAAAAAAAAAAAAAAAkAAAAJAAAAAAAAAAHAAAAAAAAAAAAAAAAAAAAAAAAAAAAAAAAAAAAf39/ACUAAABYAAAAAAAAAAAAAAAAAAAAAAAAAAAAAAAAAAAAAAAAAAAAAAAAAAAAAAAAAAAAAAA/AAAAAAAAAKCGAQAAAAAAAAAAAAAAAAAMAAAAAQAAAAAAAAAAAAAAAAAAAB8AAABUAAAAAAAABQAAAAEAAAAAAAAAAAAAAAAAAAAAAAAAAAAAAAAAAAAAAAAAAAAAAAJ/f38AAAAAA8zMzADAwP8Af39/AAAAAAAAAAAAAAAAAAAAAAAAAAAAIQAAABgAAAAUAAAAKwUAAD8CAADbRQAAZwoAABAAAAAmAAAACAAAAAEAAAAAAAAAMAAAABQAAAAAAAAAAAD//wAAAQAAAP//AAABAA=="/>
+                <pr:smNativeData xmlns:mc="http://schemas.openxmlformats.org/markup-compatibility/2006" xmlns:p14="http://schemas.microsoft.com/office/powerpoint/2010/main" xmlns:p15="http://schemas.microsoft.com/office/powerpoint/2012/main" xmlns:pr="smNativeData" xmlns="smNativeData" val="SMDATA_16_xzE7ZxMAAAAlAAAAZAAAAA0AAAAAkAAAAEgAAACQAAAASAAAAAAAAAABAAAAAAAAAAEAAABQAAAAAAAAAAAA4D8AAAAAAADgPwAAAAAAAOA/AAAAAAAA4D8AAAAAAADgPwAAAAAAAOA/AAAAAAAA4D8AAAAAAADgPwAAAAAAAOA/AAAAAAAA4D8CAAAAjAAAAAAAAAAAAAAARHLEDP///wgAAAAAAAAAAAAAAAAAAAAAAAAAAAAAAAAAAAAAZAAAAAEAAABAAAAAAAAAAAAAAAAAAAAAAAAAAAAAAAAAAAAAAAAAAAAAAAAAAAAAAAAAAAAAAAAAAAAAAAAAAAAAAAAAAAAAAAAAAAAAAAAAAAAAAAAAAAAAAAAAAAAAFAAAADwAAAAAAAAAAAAAAAAAAAkUAAAAAQAAABQAAAAUAAAAFAAAAAEAAAAAAAAAZAAAAGQAAAAAAAAAZAAAAGQAAAAVAAAAYAAAAAAAAAAAAAAADwAAACADAAAAAAAAAAAAAAEAAACgMgAAVgcAAKr4//8BAAAAf39/AAEAAABkAAAAAAAAABQAAABAHwAAAAAAACYAAAAAAAAAwOD//wAAAAAmAAAAZAAAABYAAABMAAAAAAAAAAAAAAAEAAAAAAAAAAEAAADn5uYKAAAAACgAAAAoAAAAZAAAAGQAAAAAAAAAzMzMAAAAAABQAAAAUAAAAGQAAABkAAAAAAAAABcAAAAUAAAAAAAAAAAAAAD/fwAA/38AAAAAAAAJAAAABAAAAAAAAAAeAAAAaAAAAAAAAAAAAAAAAAAAAAAAAAAAAAAAECcAABAnAAAAAAAAAAAAAAAAAAAAAAAAAAAAAAAAAAAAAAAAAAAAABQAAAAAAAAAwMD/AAAAAABkAAAAMgAAAAAAAABkAAAAAAAAAH9/fwAKAAAAIgAAABgAAAAAAAAAAAAAAAAAAAAAAAAAAAAAAAAAAAAkAAAAJAAAAAAAAAAHAAAAAAAAAAAAAAAAAAAAAAAAAAAAAAAAAAAAf39/ACUAAABYAAAAAAAAAAAAAAAAAAAAAAAAAAAAAAAAAAAAAAAAAAAAAAAAAAAAAAAAAAAAAAA/AAAAAAAAAKCGAQAAAAAAAAAAAAAAAAAMAAAAAQAAAAAAAAAAAAAAAAAAAB8AAABUAAAAAAAABQAAAAEAAAAAAAAAAAAAAAAAAAAAAAAAAAAAAAAAAAAAAAAAAAAAAAJ/f38AAAAAA8zMzADAwP8Af39/AAAAAAAAAAAAAAAAAAAAAAAAAAAAIQAAABgAAAAUAAAAKwUAAD8CAADbRQAAZwoAABAAAAAmAAAACAAAAAEAAAAAAAAAMAAAABQAAAAAAAAAAAD//wAAAQAAAP//AAABAA=="/>
               </a:ext>
             </a:extLst>
           </p:cNvSpPr>
@@ -3016,7 +2857,7 @@
             <a:spLocks noGrp="1" noChangeArrowheads="1"/>
             <a:extLst>
               <a:ext uri="smNativeData">
-                <pr:smNativeData xmlns:pr="smNativeData" xmlns="smNativeData" val="SMDATA_16_xzE7ZxMAAAAlAAAAZAAAAA0AAAAAkAAAAEgAAACQAAAASAAAAAAAAAACAAAAAAAAAAEAAABQAAAAAAAAAAAA4D8AAAAAAADgPwAAAAAAAOA/AAAAAAAA4D8AAAAAAADgPwAAAAAAAOA/AAAAAAAA4D8AAAAAAADgPwAAAAAAAOA/AAAAAAAA4D8CAAAAjAAAAAAAAAAAAAAARHLEDP///wgAAAAAAAAAAAAAAAAAAAAAAAAAAAAAAAAAAAAAZAAAAAEAAABAAAAAAAAAAAAAAAAAAAAAAAAAAAAAAAAAAAAAAAAAAAAAAAAAAAAAAAAAAAAAAAAAAAAAAAAAAAAAAAAAAAAAAAAAAAAAAAAAAAAAAAAAAAAAAAAAAAAAFAAAADwAAAAAAAAAAAAAAAAAAAkUAAAAAQAAABQAAAAUAAAAFAAAAAEAAAAAAAAAZAAAAGQAAAAAAAAAZAAAAGQAAAAVAAAAYAAAAAAAAAAAAAAADwAAACADAAAAAAAAAAAAAAEAAACgMgAAVgcAAKr4//8BAAAAf39/AAEAAABkAAAAAAAAABQAAABAHwAAAAAAACYAAAAAAAAAwOD//wAAAAAmAAAAZAAAABYAAABMAAAAAAAAAAAAAAAEAAAAAAAAAAEAAADn5uYKAAAAACgAAAAoAAAAZAAAAGQAAAAAAAAAzMzMAAAAAABQAAAAUAAAAGQAAABkAAAAAAAAABcAAAAUAAAAAAAAAAAAAAD/fwAA/38AAAAAAAAJAAAABAAAAAAAAAAeAAAAaAAAAAAAAAAAAAAAAAAAAAAAAAAAAAAAECcAABAnAAAAAAAAAAAAAAAAAAAAAAAAAAAAAAAAAAAAAAAAAAAAABQAAAAAAAAAwMD/AAAAAABkAAAAMgAAAAAAAABkAAAAAAAAAH9/fwAKAAAAIgAAABgAAAAAAAAAAAAAAAAAAAAAAAAAAAAAAAAAAAAkAAAAJAAAAAAAAAAHAAAAAAAAAAAAAAAAAAAAAAAAAAAAAAAAAAAAf39/ACUAAABYAAAAAAAAAAAAAAAAAAAAAAAAAAAAAAAAAAAAAAAAAAAAAAAAAAAAAAAAAAAAAAA/AAAAAAAAAKCGAQAAAAAAAAAAAAAAAAAMAAAAAQAAAAAAAAAAAAAAAAAAAB8AAABUAAAAAAAABQAAAAEAAAAAAAAAAAAAAAAAAAAAAAAAAAAAAAAAAAAAAAAAAAAAAAJ/f38AAAAAA8zMzADAwP8Af39/AAAAAAAAAAAAAAAAAAAAAAAAAAAAIQAAABgAAAAUAAAAKwUAAFgKAADlJAAAaQ8AABAAAAAmAAAACAAAAIGAAAAAAAAAMAAAABQAAAAAAAAAAAD//wAAAQAAAP//AAABAA=="/>
+                <pr:smNativeData xmlns:mc="http://schemas.openxmlformats.org/markup-compatibility/2006" xmlns:p14="http://schemas.microsoft.com/office/powerpoint/2010/main" xmlns:p15="http://schemas.microsoft.com/office/powerpoint/2012/main" xmlns:pr="smNativeData" xmlns="smNativeData" val="SMDATA_16_xzE7ZxMAAAAlAAAAZAAAAA0AAAAAkAAAAEgAAACQAAAASAAAAAAAAAACAAAAAAAAAAEAAABQAAAAAAAAAAAA4D8AAAAAAADgPwAAAAAAAOA/AAAAAAAA4D8AAAAAAADgPwAAAAAAAOA/AAAAAAAA4D8AAAAAAADgPwAAAAAAAOA/AAAAAAAA4D8CAAAAjAAAAAAAAAAAAAAARHLEDP///wgAAAAAAAAAAAAAAAAAAAAAAAAAAAAAAAAAAAAAZAAAAAEAAABAAAAAAAAAAAAAAAAAAAAAAAAAAAAAAAAAAAAAAAAAAAAAAAAAAAAAAAAAAAAAAAAAAAAAAAAAAAAAAAAAAAAAAAAAAAAAAAAAAAAAAAAAAAAAAAAAAAAAFAAAADwAAAAAAAAAAAAAAAAAAAkUAAAAAQAAABQAAAAUAAAAFAAAAAEAAAAAAAAAZAAAAGQAAAAAAAAAZAAAAGQAAAAVAAAAYAAAAAAAAAAAAAAADwAAACADAAAAAAAAAAAAAAEAAACgMgAAVgcAAKr4//8BAAAAf39/AAEAAABkAAAAAAAAABQAAABAHwAAAAAAACYAAAAAAAAAwOD//wAAAAAmAAAAZAAAABYAAABMAAAAAAAAAAAAAAAEAAAAAAAAAAEAAADn5uYKAAAAACgAAAAoAAAAZAAAAGQAAAAAAAAAzMzMAAAAAABQAAAAUAAAAGQAAABkAAAAAAAAABcAAAAUAAAAAAAAAAAAAAD/fwAA/38AAAAAAAAJAAAABAAAAAAAAAAeAAAAaAAAAAAAAAAAAAAAAAAAAAAAAAAAAAAAECcAABAnAAAAAAAAAAAAAAAAAAAAAAAAAAAAAAAAAAAAAAAAAAAAABQAAAAAAAAAwMD/AAAAAABkAAAAMgAAAAAAAABkAAAAAAAAAH9/fwAKAAAAIgAAABgAAAAAAAAAAAAAAAAAAAAAAAAAAAAAAAAAAAAkAAAAJAAAAAAAAAAHAAAAAAAAAAAAAAAAAAAAAAAAAAAAAAAAAAAAf39/ACUAAABYAAAAAAAAAAAAAAAAAAAAAAAAAAAAAAAAAAAAAAAAAAAAAAAAAAAAAAAAAAAAAAA/AAAAAAAAAKCGAQAAAAAAAAAAAAAAAAAMAAAAAQAAAAAAAAAAAAAAAAAAAB8AAABUAAAAAAAABQAAAAEAAAAAAAAAAAAAAAAAAAAAAAAAAAAAAAAAAAAAAAAAAAAAAAJ/f38AAAAAA8zMzADAwP8Af39/AAAAAAAAAAAAAAAAAAAAAAAAAAAAIQAAABgAAAAUAAAAKwUAAFgKAADlJAAAaQ8AABAAAAAmAAAACAAAAIGAAAAAAAAAMAAAABQAAAAAAAAAAAD//wAAAQAAAP//AAABAA=="/>
               </a:ext>
             </a:extLst>
           </p:cNvSpPr>
@@ -3091,7 +2932,7 @@
             <a:spLocks noGrp="1" noChangeArrowheads="1"/>
             <a:extLst>
               <a:ext uri="smNativeData">
-                <pr:smNativeData xmlns:pr="smNativeData" xmlns="smNativeData" val="SMDATA_16_xzE7ZxMAAAAlAAAAZAAAAA0AAAAAkAAAAEgAAACQAAAASAAAAAAAAAAAAAAAAAAAAAEAAABQAAAAAAAAAAAA4D8AAAAAAADgPwAAAAAAAOA/AAAAAAAA4D8AAAAAAADgPwAAAAAAAOA/AAAAAAAA4D8AAAAAAADgPwAAAAAAAOA/AAAAAAAA4D8CAAAAjAAAAAAAAAAAAAAARHLEDP///wgAAAAAAAAAAAAAAAAAAAAAAAAAAAAAAAAAAAAAZAAAAAEAAABAAAAAAAAAAAAAAAAAAAAAAAAAAAAAAAAAAAAAAAAAAAAAAAAAAAAAAAAAAAAAAAAAAAAAAAAAAAAAAAAAAAAAAAAAAAAAAAAAAAAAAAAAAAAAAAAAAAAAFAAAADwAAAAAAAAAAAAAAAAAAAkUAAAAAQAAABQAAAAUAAAAFAAAAAEAAAAAAAAAZAAAAGQAAAAAAAAAZAAAAGQAAAAVAAAAYAAAAAAAAAAAAAAADwAAACADAAAAAAAAAAAAAAEAAACgMgAAVgcAAKr4//8BAAAAf39/AAEAAABkAAAAAAAAABQAAABAHwAAAAAAACYAAAAAAAAAwOD//wAAAAAmAAAAZAAAABYAAABMAAAAAAAAAAAAAAAEAAAAAAAAAAEAAADn5uYKAAAAACgAAAAoAAAAZAAAAGQAAAAAAAAAzMzMAAAAAABQAAAAUAAAAGQAAABkAAAAAAAAABcAAAAUAAAAAAAAAAAAAAD/fwAA/38AAAAAAAAJAAAABAAAAAAAAAAeAAAAaAAAAAAAAAAAAAAAAAAAAAAAAAAAAAAAECcAABAnAAAAAAAAAAAAAAAAAAAAAAAAAAAAAAAAAAAAAAAAAAAAABQAAAAAAAAAwMD/AAAAAABkAAAAMgAAAAAAAABkAAAAAAAAAH9/fwAKAAAAIgAAABgAAAAAAAAAAAAAAAAAAAAAAAAAAAAAAAAAAAAkAAAAJAAAAAAAAAAHAAAAAAAAAAAAAAAAAAAAAAAAAAAAAAAAAAAAf39/ACUAAABYAAAAAAAAAAAAAAAAAAAAAAAAAAAAAAAAAAAAAAAAAAAAAAAAAAAAAAAAAAAAAAA/AAAAAAAAAKCGAQAAAAAAAAAAAAAAAAAMAAAAAQAAAAAAAAAAAAAAAAAAAB8AAABUAAAAAAAABQAAAAEAAAAAAAAAAAAAAAAAAAAAAAAAAAAAAAAAAAAAAAAAAAAAAAJ/f38AAAAAA8zMzADAwP8Af39/AAAAAAAAAAAAAAAAAAAAAAAAAAAAIQAAABgAAAAUAAAAKwUAAGkPAADlJAAAFCYAABAAAAAmAAAACAAAAAEAAAAAAAAAMAAAABQAAAAAAAAAAAD//wAAAQAAAP//AAABAA=="/>
+                <pr:smNativeData xmlns:mc="http://schemas.openxmlformats.org/markup-compatibility/2006" xmlns:p14="http://schemas.microsoft.com/office/powerpoint/2010/main" xmlns:p15="http://schemas.microsoft.com/office/powerpoint/2012/main" xmlns:pr="smNativeData" xmlns="smNativeData" val="SMDATA_16_xzE7ZxMAAAAlAAAAZAAAAA0AAAAAkAAAAEgAAACQAAAASAAAAAAAAAAAAAAAAAAAAAEAAABQAAAAAAAAAAAA4D8AAAAAAADgPwAAAAAAAOA/AAAAAAAA4D8AAAAAAADgPwAAAAAAAOA/AAAAAAAA4D8AAAAAAADgPwAAAAAAAOA/AAAAAAAA4D8CAAAAjAAAAAAAAAAAAAAARHLEDP///wgAAAAAAAAAAAAAAAAAAAAAAAAAAAAAAAAAAAAAZAAAAAEAAABAAAAAAAAAAAAAAAAAAAAAAAAAAAAAAAAAAAAAAAAAAAAAAAAAAAAAAAAAAAAAAAAAAAAAAAAAAAAAAAAAAAAAAAAAAAAAAAAAAAAAAAAAAAAAAAAAAAAAFAAAADwAAAAAAAAAAAAAAAAAAAkUAAAAAQAAABQAAAAUAAAAFAAAAAEAAAAAAAAAZAAAAGQAAAAAAAAAZAAAAGQAAAAVAAAAYAAAAAAAAAAAAAAADwAAACADAAAAAAAAAAAAAAEAAACgMgAAVgcAAKr4//8BAAAAf39/AAEAAABkAAAAAAAAABQAAABAHwAAAAAAACYAAAAAAAAAwOD//wAAAAAmAAAAZAAAABYAAABMAAAAAAAAAAAAAAAEAAAAAAAAAAEAAADn5uYKAAAAACgAAAAoAAAAZAAAAGQAAAAAAAAAzMzMAAAAAABQAAAAUAAAAGQAAABkAAAAAAAAABcAAAAUAAAAAAAAAAAAAAD/fwAA/38AAAAAAAAJAAAABAAAAAAAAAAeAAAAaAAAAAAAAAAAAAAAAAAAAAAAAAAAAAAAECcAABAnAAAAAAAAAAAAAAAAAAAAAAAAAAAAAAAAAAAAAAAAAAAAABQAAAAAAAAAwMD/AAAAAABkAAAAMgAAAAAAAABkAAAAAAAAAH9/fwAKAAAAIgAAABgAAAAAAAAAAAAAAAAAAAAAAAAAAAAAAAAAAAAkAAAAJAAAAAAAAAAHAAAAAAAAAAAAAAAAAAAAAAAAAAAAAAAAAAAAf39/ACUAAABYAAAAAAAAAAAAAAAAAAAAAAAAAAAAAAAAAAAAAAAAAAAAAAAAAAAAAAAAAAAAAAA/AAAAAAAAAKCGAQAAAAAAAAAAAAAAAAAMAAAAAQAAAAAAAAAAAAAAAAAAAB8AAABUAAAAAAAABQAAAAEAAAAAAAAAAAAAAAAAAAAAAAAAAAAAAAAAAAAAAAAAAAAAAAJ/f38AAAAAA8zMzADAwP8Af39/AAAAAAAAAAAAAAAAAAAAAAAAAAAAIQAAABgAAAAUAAAAKwUAAGkPAADlJAAAFCYAABAAAAAmAAAACAAAAAEAAAAAAAAAMAAAABQAAAAAAAAAAAD//wAAAQAAAP//AAABAA=="/>
               </a:ext>
             </a:extLst>
           </p:cNvSpPr>
@@ -3157,7 +2998,7 @@
             <a:spLocks noGrp="1" noChangeArrowheads="1"/>
             <a:extLst>
               <a:ext uri="smNativeData">
-                <pr:smNativeData xmlns:pr="smNativeData" xmlns="smNativeData" val="SMDATA_16_xzE7ZxMAAAAlAAAAZAAAAA0AAAAAkAAAAEgAAACQAAAASAAAAAAAAAACAAAAAAAAAAEAAABQAAAAAAAAAAAA4D8AAAAAAADgPwAAAAAAAOA/AAAAAAAA4D8AAAAAAADgPwAAAAAAAOA/AAAAAAAA4D8AAAAAAADgPwAAAAAAAOA/AAAAAAAA4D8CAAAAjAAAAAAAAAAAAAAARHLEDP///wgAAAAAAAAAAAAAAAAAAAAAAAAAAAAAAAAAAAAAZAAAAAEAAABAAAAAAAAAAAAAAAAAAAAAAAAAAAAAAAAAAAAAAAAAAAAAAAAAAAAAAAAAAAAAAAAAAAAAAAAAAAAAAAAAAAAAAAAAAAAAAAAAAAAAAAAAAAAAAAAAAAAAFAAAADwAAAAAAAAAAAAAAAAAAAkUAAAAAQAAABQAAAAUAAAAFAAAAAEAAAAAAAAAZAAAAGQAAAAAAAAAZAAAAGQAAAAVAAAAYAAAAAAAAAAAAAAADwAAACADAAAAAAAAAAAAAAEAAACgMgAAVgcAAKr4//8BAAAAf39/AAEAAABkAAAAAAAAABQAAABAHwAAAAAAACYAAAAAAAAAwOD//wAAAAAmAAAAZAAAABYAAABMAAAAAAAAAAAAAAAEAAAAAAAAAAEAAADn5uYKAAAAACgAAAAoAAAAZAAAAGQAAAAAAAAAzMzMAAAAAABQAAAAUAAAAGQAAABkAAAAAAAAABcAAAAUAAAAAAAAAAAAAAD/fwAA/38AAAAAAAAJAAAABAAAAAAAAAAeAAAAaAAAAAAAAAAAAAAAAAAAAAAAAAAAAAAAECcAABAnAAAAAAAAAAAAAAAAAAAAAAAAAAAAAAAAAAAAAAAAAAAAABQAAAAAAAAAwMD/AAAAAABkAAAAMgAAAAAAAABkAAAAAAAAAH9/fwAKAAAAIgAAABgAAAAAAAAAAAAAAAAAAAAAAAAAAAAAAAAAAAAkAAAAJAAAAAAAAAAHAAAAAAAAAAAAAAAAAAAAAAAAAAAAAAAAAAAAf39/ACUAAABYAAAAAAAAAAAAAAAAAAAAAAAAAAAAAAAAAAAAAAAAAAAAAAAAAAAAAAAAAAAAAAA/AAAAAAAAAKCGAQAAAAAAAAAAAAAAAAAMAAAAAQAAAAAAAAAAAAAAAAAAAB8AAABUAAAAAAAABQAAAAEAAAAAAAAAAAAAAAAAAAAAAAAAAAAAAAAAAAAAAAAAAAAAAAJ/f38AAAAAA8zMzADAwP8Af39/AAAAAAAAAAAAAAAAAAAAAAAAAAAAIQAAABgAAAAUAAAA+CUAAFgKAADbRQAAaQ8AABAAAAAmAAAACAAAAIGAAAAAAAAAMAAAABQAAAAAAAAAAAD//wAAAQAAAP//AAABAA=="/>
+                <pr:smNativeData xmlns:mc="http://schemas.openxmlformats.org/markup-compatibility/2006" xmlns:p14="http://schemas.microsoft.com/office/powerpoint/2010/main" xmlns:p15="http://schemas.microsoft.com/office/powerpoint/2012/main" xmlns:pr="smNativeData" xmlns="smNativeData" val="SMDATA_16_xzE7ZxMAAAAlAAAAZAAAAA0AAAAAkAAAAEgAAACQAAAASAAAAAAAAAACAAAAAAAAAAEAAABQAAAAAAAAAAAA4D8AAAAAAADgPwAAAAAAAOA/AAAAAAAA4D8AAAAAAADgPwAAAAAAAOA/AAAAAAAA4D8AAAAAAADgPwAAAAAAAOA/AAAAAAAA4D8CAAAAjAAAAAAAAAAAAAAARHLEDP///wgAAAAAAAAAAAAAAAAAAAAAAAAAAAAAAAAAAAAAZAAAAAEAAABAAAAAAAAAAAAAAAAAAAAAAAAAAAAAAAAAAAAAAAAAAAAAAAAAAAAAAAAAAAAAAAAAAAAAAAAAAAAAAAAAAAAAAAAAAAAAAAAAAAAAAAAAAAAAAAAAAAAAFAAAADwAAAAAAAAAAAAAAAAAAAkUAAAAAQAAABQAAAAUAAAAFAAAAAEAAAAAAAAAZAAAAGQAAAAAAAAAZAAAAGQAAAAVAAAAYAAAAAAAAAAAAAAADwAAACADAAAAAAAAAAAAAAEAAACgMgAAVgcAAKr4//8BAAAAf39/AAEAAABkAAAAAAAAABQAAABAHwAAAAAAACYAAAAAAAAAwOD//wAAAAAmAAAAZAAAABYAAABMAAAAAAAAAAAAAAAEAAAAAAAAAAEAAADn5uYKAAAAACgAAAAoAAAAZAAAAGQAAAAAAAAAzMzMAAAAAABQAAAAUAAAAGQAAABkAAAAAAAAABcAAAAUAAAAAAAAAAAAAAD/fwAA/38AAAAAAAAJAAAABAAAAAAAAAAeAAAAaAAAAAAAAAAAAAAAAAAAAAAAAAAAAAAAECcAABAnAAAAAAAAAAAAAAAAAAAAAAAAAAAAAAAAAAAAAAAAAAAAABQAAAAAAAAAwMD/AAAAAABkAAAAMgAAAAAAAABkAAAAAAAAAH9/fwAKAAAAIgAAABgAAAAAAAAAAAAAAAAAAAAAAAAAAAAAAAAAAAAkAAAAJAAAAAAAAAAHAAAAAAAAAAAAAAAAAAAAAAAAAAAAAAAAAAAAf39/ACUAAABYAAAAAAAAAAAAAAAAAAAAAAAAAAAAAAAAAAAAAAAAAAAAAAAAAAAAAAAAAAAAAAA/AAAAAAAAAKCGAQAAAAAAAAAAAAAAAAAMAAAAAQAAAAAAAAAAAAAAAAAAAB8AAABUAAAAAAAABQAAAAEAAAAAAAAAAAAAAAAAAAAAAAAAAAAAAAAAAAAAAAAAAAAAAAJ/f38AAAAAA8zMzADAwP8Af39/AAAAAAAAAAAAAAAAAAAAAAAAAAAAIQAAABgAAAAUAAAA+CUAAFgKAADbRQAAaQ8AABAAAAAmAAAACAAAAIGAAAAAAAAAMAAAABQAAAAAAAAAAAD//wAAAQAAAP//AAABAA=="/>
               </a:ext>
             </a:extLst>
           </p:cNvSpPr>
@@ -3232,7 +3073,7 @@
             <a:spLocks noGrp="1" noChangeArrowheads="1"/>
             <a:extLst>
               <a:ext uri="smNativeData">
-                <pr:smNativeData xmlns:pr="smNativeData" xmlns="smNativeData" val="SMDATA_16_xzE7ZxMAAAAlAAAAZAAAAA0AAAAAkAAAAEgAAACQAAAASAAAAAAAAAAAAAAAAAAAAAEAAABQAAAAAAAAAAAA4D8AAAAAAADgPwAAAAAAAOA/AAAAAAAA4D8AAAAAAADgPwAAAAAAAOA/AAAAAAAA4D8AAAAAAADgPwAAAAAAAOA/AAAAAAAA4D8CAAAAjAAAAAAAAAAAAAAARHLEDP///wgAAAAAAAAAAAAAAAAAAAAAAAAAAAAAAAAAAAAAZAAAAAEAAABAAAAAAAAAAAAAAAAAAAAAAAAAAAAAAAAAAAAAAAAAAAAAAAAAAAAAAAAAAAAAAAAAAAAAAAAAAAAAAAAAAAAAAAAAAAAAAAAAAAAAAAAAAAAAAAAAAAAAFAAAADwAAAAAAAAAAAAAAAAAAAkUAAAAAQAAABQAAAAUAAAAFAAAAAEAAAAAAAAAZAAAAGQAAAAAAAAAZAAAAGQAAAAVAAAAYAAAAAAAAAAAAAAADwAAACADAAAAAAAAAAAAAAEAAACgMgAAVgcAAKr4//8BAAAAf39/AAEAAABkAAAAAAAAABQAAABAHwAAAAAAACYAAAAAAAAAwOD//wAAAAAmAAAAZAAAABYAAABMAAAAAAAAAAAAAAAEAAAAAAAAAAEAAADn5uYKAAAAACgAAAAoAAAAZAAAAGQAAAAAAAAAzMzMAAAAAABQAAAAUAAAAGQAAABkAAAAAAAAABcAAAAUAAAAAAAAAAAAAAD/fwAA/38AAAAAAAAJAAAABAAAAAAAAAAeAAAAaAAAAAAAAAAAAAAAAAAAAAAAAAAAAAAAECcAABAnAAAAAAAAAAAAAAAAAAAAAAAAAAAAAAAAAAAAAAAAAAAAABQAAAAAAAAAwMD/AAAAAABkAAAAMgAAAAAAAABkAAAAAAAAAH9/fwAKAAAAIgAAABgAAAAAAAAAAAAAAAAAAAAAAAAAAAAAAAAAAAAkAAAAJAAAAAAAAAAHAAAAAAAAAAAAAAAAAAAAAAAAAAAAAAAAAAAAf39/ACUAAABYAAAAAAAAAAAAAAAAAAAAAAAAAAAAAAAAAAAAAAAAAAAAAAAAAAAAAAAAAAAAAAA/AAAAAAAAAKCGAQAAAAAAAAAAAAAAAAAMAAAAAQAAAAAAAAAAAAAAAAAAAB8AAABUAAAAAAAABQAAAAEAAAAAAAAAAAAAAAAAAAAAAAAAAAAAAAAAAAAAAAAAAAAAAAJ/f38AAAAAA8zMzADAwP8Af39/AAAAAAAAAAAAAAAAAAAAAAAAAAAAIQAAABgAAAAUAAAA+CUAAGkPAADbRQAAFCYAABAAAAAmAAAACAAAAAEAAAAAAAAAMAAAABQAAAAAAAAAAAD//wAAAQAAAP//AAABAA=="/>
+                <pr:smNativeData xmlns:mc="http://schemas.openxmlformats.org/markup-compatibility/2006" xmlns:p14="http://schemas.microsoft.com/office/powerpoint/2010/main" xmlns:p15="http://schemas.microsoft.com/office/powerpoint/2012/main" xmlns:pr="smNativeData" xmlns="smNativeData" val="SMDATA_16_xzE7ZxMAAAAlAAAAZAAAAA0AAAAAkAAAAEgAAACQAAAASAAAAAAAAAAAAAAAAAAAAAEAAABQAAAAAAAAAAAA4D8AAAAAAADgPwAAAAAAAOA/AAAAAAAA4D8AAAAAAADgPwAAAAAAAOA/AAAAAAAA4D8AAAAAAADgPwAAAAAAAOA/AAAAAAAA4D8CAAAAjAAAAAAAAAAAAAAARHLEDP///wgAAAAAAAAAAAAAAAAAAAAAAAAAAAAAAAAAAAAAZAAAAAEAAABAAAAAAAAAAAAAAAAAAAAAAAAAAAAAAAAAAAAAAAAAAAAAAAAAAAAAAAAAAAAAAAAAAAAAAAAAAAAAAAAAAAAAAAAAAAAAAAAAAAAAAAAAAAAAAAAAAAAAFAAAADwAAAAAAAAAAAAAAAAAAAkUAAAAAQAAABQAAAAUAAAAFAAAAAEAAAAAAAAAZAAAAGQAAAAAAAAAZAAAAGQAAAAVAAAAYAAAAAAAAAAAAAAADwAAACADAAAAAAAAAAAAAAEAAACgMgAAVgcAAKr4//8BAAAAf39/AAEAAABkAAAAAAAAABQAAABAHwAAAAAAACYAAAAAAAAAwOD//wAAAAAmAAAAZAAAABYAAABMAAAAAAAAAAAAAAAEAAAAAAAAAAEAAADn5uYKAAAAACgAAAAoAAAAZAAAAGQAAAAAAAAAzMzMAAAAAABQAAAAUAAAAGQAAABkAAAAAAAAABcAAAAUAAAAAAAAAAAAAAD/fwAA/38AAAAAAAAJAAAABAAAAAAAAAAeAAAAaAAAAAAAAAAAAAAAAAAAAAAAAAAAAAAAECcAABAnAAAAAAAAAAAAAAAAAAAAAAAAAAAAAAAAAAAAAAAAAAAAABQAAAAAAAAAwMD/AAAAAABkAAAAMgAAAAAAAABkAAAAAAAAAH9/fwAKAAAAIgAAABgAAAAAAAAAAAAAAAAAAAAAAAAAAAAAAAAAAAAkAAAAJAAAAAAAAAAHAAAAAAAAAAAAAAAAAAAAAAAAAAAAAAAAAAAAf39/ACUAAABYAAAAAAAAAAAAAAAAAAAAAAAAAAAAAAAAAAAAAAAAAAAAAAAAAAAAAAAAAAAAAAA/AAAAAAAAAKCGAQAAAAAAAAAAAAAAAAAMAAAAAQAAAAAAAAAAAAAAAAAAAB8AAABUAAAAAAAABQAAAAEAAAAAAAAAAAAAAAAAAAAAAAAAAAAAAAAAAAAAAAAAAAAAAAJ/f38AAAAAA8zMzADAwP8Af39/AAAAAAAAAAAAAAAAAAAAAAAAAAAAIQAAABgAAAAUAAAA+CUAAGkPAADbRQAAFCYAABAAAAAmAAAACAAAAAEAAAAAAAAAMAAAABQAAAAAAAAAAAD//wAAAQAAAP//AAABAA=="/>
               </a:ext>
             </a:extLst>
           </p:cNvSpPr>
@@ -3298,7 +3139,7 @@
             <a:spLocks noGrp="1" noChangeArrowheads="1"/>
             <a:extLst>
               <a:ext uri="smNativeData">
-                <pr:smNativeData xmlns:pr="smNativeData" xmlns="smNativeData" val="SMDATA_16_xzE7ZxMAAAAlAAAAZAAAAA0AAAAAkAAAAEgAAACQAAAASAAAAAAAAAABAAAAAAAAAAEAAABQAAAAAAAAAAAA4D8AAAAAAADgPwAAAAAAAOA/AAAAAAAA4D8AAAAAAADgPwAAAAAAAOA/AAAAAAAA4D8AAAAAAADgPwAAAAAAAOA/AAAAAAAA4D8CAAAAjAAAAAAAAAAAAAAARHLEDP///wgAAAAAAAAAAAAAAAAAAAAAAAAAAAAAAAAAAAAAZAAAAAEAAABAAAAAAAAAAAAAAAAAAAAAAAAAAAAAAAAAAAAAAAAAAAAAAAAAAAAAAAAAAAAAAAAAAAAAAAAAAAAAAAAAAAAAAAAAAAAAAAAAAAAAAAAAAAAAAAAAAAAAFAAAADwAAAAAAAAAAAAAAAAAAAkUAAAAAQAAABQAAAAUAAAAFAAAAAEAAAAAAAAAZAAAAGQAAAAAAAAAZAAAAGQAAAAVAAAAYAAAAAAAAAAAAAAADwAAACADAAAAAAAAAAAAAAEAAACgMgAAVgcAAKr4//8BAAAAf39/AAEAAABkAAAAAAAAABQAAABAHwAAAAAAACYAAAAAAAAAwOD//wAAAAAmAAAAZAAAABYAAABMAAAAAAAAAAAAAAAEAAAAAAAAAAEAAADn5uYKAAAAACgAAAAoAAAAZAAAAGQAAAAAAAAAzMzMAAAAAABQAAAAUAAAAGQAAABkAAAAAAAAABcAAAAUAAAAAAAAAAAAAAD/fwAA/38AAAAAAAAJAAAABAAAAAAAAAAeAAAAaAAAAAAAAAAAAAAAAAAAAAAAAAAAAAAAECcAABAnAAAAAAAAAAAAAAAAAAAAAAAAAAAAAAAAAAAAAAAAAAAAABQAAAAAAAAAwMD/AAAAAABkAAAAMgAAAAAAAABkAAAAAAAAAH9/fwAKAAAAIgAAABgAAAAAAAAAAAAAAAAAAAAAAAAAAAAAAAAAAAAkAAAAJAAAAAAAAAAHAAAAAAAAAAAAAAAAAAAAAAAAAAAAAAAAAAAAf39/ACUAAABYAAAAAAAAAAAAAAAAAAAAAAAAAAAAAAAAAAAAAAAAAAAAAAAAAAAAAAAAAAAAAAA/AAAAAAAAAKCGAQAAAAAAAAAAAAAAAAAMAAAAAQAAAAAAAAAAAAAAAAAAAB8AAABUAAAAAAAABQAAAAEAAAAAAAAAAAAAAAAAAAAAAAAAAAAAAAAAAAAAAAAAAAAAAAJ/f38AAAAAA8zMzADAwP8Af39/AAAAAAAAAAAAAAAAAAAAAAAAAAAAIQAAABgAAAAUAAAAKAUAABonAAAIFgAAWSkAABAAAAAmAAAACAAAAAAAAAAAAAAAMAAAABQAAAAAAAAAAAD//wAAAQAAAP//AAABAA=="/>
+                <pr:smNativeData xmlns:mc="http://schemas.openxmlformats.org/markup-compatibility/2006" xmlns:p14="http://schemas.microsoft.com/office/powerpoint/2010/main" xmlns:p15="http://schemas.microsoft.com/office/powerpoint/2012/main" xmlns:pr="smNativeData" xmlns="smNativeData" val="SMDATA_16_xzE7ZxMAAAAlAAAAZAAAAA0AAAAAkAAAAEgAAACQAAAASAAAAAAAAAABAAAAAAAAAAEAAABQAAAAAAAAAAAA4D8AAAAAAADgPwAAAAAAAOA/AAAAAAAA4D8AAAAAAADgPwAAAAAAAOA/AAAAAAAA4D8AAAAAAADgPwAAAAAAAOA/AAAAAAAA4D8CAAAAjAAAAAAAAAAAAAAARHLEDP///wgAAAAAAAAAAAAAAAAAAAAAAAAAAAAAAAAAAAAAZAAAAAEAAABAAAAAAAAAAAAAAAAAAAAAAAAAAAAAAAAAAAAAAAAAAAAAAAAAAAAAAAAAAAAAAAAAAAAAAAAAAAAAAAAAAAAAAAAAAAAAAAAAAAAAAAAAAAAAAAAAAAAAFAAAADwAAAAAAAAAAAAAAAAAAAkUAAAAAQAAABQAAAAUAAAAFAAAAAEAAAAAAAAAZAAAAGQAAAAAAAAAZAAAAGQAAAAVAAAAYAAAAAAAAAAAAAAADwAAACADAAAAAAAAAAAAAAEAAACgMgAAVgcAAKr4//8BAAAAf39/AAEAAABkAAAAAAAAABQAAABAHwAAAAAAACYAAAAAAAAAwOD//wAAAAAmAAAAZAAAABYAAABMAAAAAAAAAAAAAAAEAAAAAAAAAAEAAADn5uYKAAAAACgAAAAoAAAAZAAAAGQAAAAAAAAAzMzMAAAAAABQAAAAUAAAAGQAAABkAAAAAAAAABcAAAAUAAAAAAAAAAAAAAD/fwAA/38AAAAAAAAJAAAABAAAAAAAAAAeAAAAaAAAAAAAAAAAAAAAAAAAAAAAAAAAAAAAECcAABAnAAAAAAAAAAAAAAAAAAAAAAAAAAAAAAAAAAAAAAAAAAAAABQAAAAAAAAAwMD/AAAAAABkAAAAMgAAAAAAAABkAAAAAAAAAH9/fwAKAAAAIgAAABgAAAAAAAAAAAAAAAAAAAAAAAAAAAAAAAAAAAAkAAAAJAAAAAAAAAAHAAAAAAAAAAAAAAAAAAAAAAAAAAAAAAAAAAAAf39/ACUAAABYAAAAAAAAAAAAAAAAAAAAAAAAAAAAAAAAAAAAAAAAAAAAAAAAAAAAAAAAAAAAAAA/AAAAAAAAAKCGAQAAAAAAAAAAAAAAAAAMAAAAAQAAAAAAAAAAAAAAAAAAAB8AAABUAAAAAAAABQAAAAEAAAAAAAAAAAAAAAAAAAAAAAAAAAAAAAAAAAAAAAAAAAAAAAJ/f38AAAAAA8zMzADAwP8Af39/AAAAAAAAAAAAAAAAAAAAAAAAAAAAIQAAABgAAAAUAAAAKAUAABonAAAIFgAAWSkAABAAAAAmAAAACAAAAAAAAAAAAAAAMAAAABQAAAAAAAAAAAD//wAAAQAAAP//AAABAA=="/>
               </a:ext>
             </a:extLst>
           </p:cNvSpPr>
@@ -3315,8 +3156,9 @@
               <a:defRPr lang="ru-ru"/>
             </a:pPr>
             <a:fld id="{3BC5F075-3BD6-9006-987D-CD53BE336E98}" type="datetime1">
-              <a:t>18.11.2024</a:t>
+              <a:t>20.11.2024</a:t>
             </a:fld>
+            <a:endParaRPr/>
           </a:p>
         </p:txBody>
       </p:sp>
@@ -3327,7 +3169,7 @@
             <a:spLocks noGrp="1" noChangeArrowheads="1"/>
             <a:extLst>
               <a:ext uri="smNativeData">
-                <pr:smNativeData xmlns:pr="smNativeData" xmlns="smNativeData" val="SMDATA_16_xzE7ZxMAAAAlAAAAZAAAAA0AAAAAkAAAAEgAAACQAAAASAAAAAAAAAABAAAAAAAAAAEAAABQAAAAAAAAAAAA4D8AAAAAAADgPwAAAAAAAOA/AAAAAAAA4D8AAAAAAADgPwAAAAAAAOA/AAAAAAAA4D8AAAAAAADgPwAAAAAAAOA/AAAAAAAA4D8CAAAAjAAAAAAAAAAAAAAARHLEDP///wgAAAAAAAAAAAAAAAAAAAAAAAAAAAAAAAAAAAAAZAAAAAEAAABAAAAAAAAAAAAAAAAAAAAAAAAAAAAAAAAAAAAAAAAAAAAAAAAAAAAAAAAAAAAAAAAAAAAAAAAAAAAAAAAAAAAAAAAAAAAAAAAAAAAAAAAAAAAAAAAAAAAAFAAAADwAAAAAAAAAAAAAAAAAAAkUAAAAAQAAABQAAAAUAAAAFAAAAAEAAAAAAAAAZAAAAGQAAAAAAAAAZAAAAGQAAAAVAAAAYAAAAAAAAAAAAAAADwAAACADAAAAAAAAAAAAAAEAAACgMgAAVgcAAKr4//8BAAAAf39/AAEAAABkAAAAAAAAABQAAABAHwAAAAAAACYAAAAAAAAAwOD//wAAAAAmAAAAZAAAABYAAABMAAAAAAAAAAAAAAAEAAAAAAAAAAEAAADn5uYKAAAAACgAAAAoAAAAZAAAAGQAAAAAAAAAzMzMAAAAAABQAAAAUAAAAGQAAABkAAAAAAAAABcAAAAUAAAAAAAAAAAAAAD/fwAA/38AAAAAAAAJAAAABAAAAAAAAAAeAAAAaAAAAAAAAAAAAAAAAAAAAAAAAAAAAAAAECcAABAnAAAAAAAAAAAAAAAAAAAAAAAAAAAAAAAAAAAAAAAAAAAAABQAAAAAAAAAwMD/AAAAAABkAAAAMgAAAAAAAABkAAAAAAAAAH9/fwAKAAAAIgAAABgAAAAAAAAAAAAAAAAAAAAAAAAAAAAAAAAAAAAkAAAAJAAAAAAAAAAHAAAAAAAAAAAAAAAAAAAAAAAAAAAAAAAAAAAAf39/ACUAAABYAAAAAAAAAAAAAAAAAAAAAAAAAAAAAAAAAAAAAAAAAAAAAAAAAAAAAAAAAAAAAAA/AAAAAAAAAKCGAQAAAAAAAAAAAAAAAAAMAAAAAQAAAAAAAAAAAAAAAAAAAB8AAABUAAAAAAAABQAAAAEAAAAAAAAAAAAAAAAAAAAAAAAAAAAAAAAAAAAAAAAAAAAAAAJ/f38AAAAAA8zMzADAwP8Af39/AAAAAAAAAAAAAAAAAAAAAAAAAAAAIQAAABgAAAAUAAAA2BgAABonAAAoMgAAWSkAABAAAAAmAAAACAAAAAAAAAAAAAAAMAAAABQAAAAAAAAAAAD//wAAAQAAAP//AAABAA=="/>
+                <pr:smNativeData xmlns:mc="http://schemas.openxmlformats.org/markup-compatibility/2006" xmlns:p14="http://schemas.microsoft.com/office/powerpoint/2010/main" xmlns:p15="http://schemas.microsoft.com/office/powerpoint/2012/main" xmlns:pr="smNativeData" xmlns="smNativeData" val="SMDATA_16_xzE7ZxMAAAAlAAAAZAAAAA0AAAAAkAAAAEgAAACQAAAASAAAAAAAAAABAAAAAAAAAAEAAABQAAAAAAAAAAAA4D8AAAAAAADgPwAAAAAAAOA/AAAAAAAA4D8AAAAAAADgPwAAAAAAAOA/AAAAAAAA4D8AAAAAAADgPwAAAAAAAOA/AAAAAAAA4D8CAAAAjAAAAAAAAAAAAAAARHLEDP///wgAAAAAAAAAAAAAAAAAAAAAAAAAAAAAAAAAAAAAZAAAAAEAAABAAAAAAAAAAAAAAAAAAAAAAAAAAAAAAAAAAAAAAAAAAAAAAAAAAAAAAAAAAAAAAAAAAAAAAAAAAAAAAAAAAAAAAAAAAAAAAAAAAAAAAAAAAAAAAAAAAAAAFAAAADwAAAAAAAAAAAAAAAAAAAkUAAAAAQAAABQAAAAUAAAAFAAAAAEAAAAAAAAAZAAAAGQAAAAAAAAAZAAAAGQAAAAVAAAAYAAAAAAAAAAAAAAADwAAACADAAAAAAAAAAAAAAEAAACgMgAAVgcAAKr4//8BAAAAf39/AAEAAABkAAAAAAAAABQAAABAHwAAAAAAACYAAAAAAAAAwOD//wAAAAAmAAAAZAAAABYAAABMAAAAAAAAAAAAAAAEAAAAAAAAAAEAAADn5uYKAAAAACgAAAAoAAAAZAAAAGQAAAAAAAAAzMzMAAAAAABQAAAAUAAAAGQAAABkAAAAAAAAABcAAAAUAAAAAAAAAAAAAAD/fwAA/38AAAAAAAAJAAAABAAAAAAAAAAeAAAAaAAAAAAAAAAAAAAAAAAAAAAAAAAAAAAAECcAABAnAAAAAAAAAAAAAAAAAAAAAAAAAAAAAAAAAAAAAAAAAAAAABQAAAAAAAAAwMD/AAAAAABkAAAAMgAAAAAAAABkAAAAAAAAAH9/fwAKAAAAIgAAABgAAAAAAAAAAAAAAAAAAAAAAAAAAAAAAAAAAAAkAAAAJAAAAAAAAAAHAAAAAAAAAAAAAAAAAAAAAAAAAAAAAAAAAAAAf39/ACUAAABYAAAAAAAAAAAAAAAAAAAAAAAAAAAAAAAAAAAAAAAAAAAAAAAAAAAAAAAAAAAAAAA/AAAAAAAAAKCGAQAAAAAAAAAAAAAAAAAMAAAAAQAAAAAAAAAAAAAAAAAAAB8AAABUAAAAAAAABQAAAAEAAAAAAAAAAAAAAAAAAAAAAAAAAAAAAAAAAAAAAAAAAAAAAAJ/f38AAAAAA8zMzADAwP8Af39/AAAAAAAAAAAAAAAAAAAAAAAAAAAAIQAAABgAAAAUAAAA2BgAABonAAAoMgAAWSkAABAAAAAmAAAACAAAAAAAAAAAAAAAMAAAABQAAAAAAAAAAAD//wAAAQAAAP//AAABAA=="/>
               </a:ext>
             </a:extLst>
           </p:cNvSpPr>
@@ -3343,6 +3185,7 @@
             <a:pPr>
               <a:defRPr lang="ru-ru"/>
             </a:pPr>
+            <a:endParaRPr/>
           </a:p>
         </p:txBody>
       </p:sp>
@@ -3353,7 +3196,7 @@
             <a:spLocks noGrp="1" noChangeArrowheads="1"/>
             <a:extLst>
               <a:ext uri="smNativeData">
-                <pr:smNativeData xmlns:pr="smNativeData" xmlns="smNativeData" val="SMDATA_16_xzE7ZxMAAAAlAAAAZAAAAA0AAAAAkAAAAEgAAACQAAAASAAAAAAAAAABAAAAAAAAAAEAAABQAAAAAAAAAAAA4D8AAAAAAADgPwAAAAAAAOA/AAAAAAAA4D8AAAAAAADgPwAAAAAAAOA/AAAAAAAA4D8AAAAAAADgPwAAAAAAAOA/AAAAAAAA4D8CAAAAjAAAAAAAAAAAAAAARHLEDP///wgAAAAAAAAAAAAAAAAAAAAAAAAAAAAAAAAAAAAAZAAAAAEAAABAAAAAAAAAAAAAAAAAAAAAAAAAAAAAAAAAAAAAAAAAAAAAAAAAAAAAAAAAAAAAAAAAAAAAAAAAAAAAAAAAAAAAAAAAAAAAAAAAAAAAAAAAAAAAAAAAAAAAFAAAADwAAAAAAAAAAAAAAAAAAAkUAAAAAQAAABQAAAAUAAAAFAAAAAEAAAAAAAAAZAAAAGQAAAAAAAAAZAAAAGQAAAAVAAAAYAAAAAAAAAAAAAAADwAAACADAAAAAAAAAAAAAAEAAACgMgAAVgcAAKr4//8BAAAAf39/AAEAAABkAAAAAAAAABQAAABAHwAAAAAAACYAAAAAAAAAwOD//wAAAAAmAAAAZAAAABYAAABMAAAAAAAAAAAAAAAEAAAAAAAAAAEAAADn5uYKAAAAACgAAAAoAAAAZAAAAGQAAAAAAAAAzMzMAAAAAABQAAAAUAAAAGQAAABkAAAAAAAAABcAAAAUAAAAAAAAAAAAAAD/fwAA/38AAAAAAAAJAAAABAAAAAAAAAAeAAAAaAAAAAAAAAAAAAAAAAAAAAAAAAAAAAAAECcAABAnAAAAAAAAAAAAAAAAAAAAAAAAAAAAAAAAAAAAAAAAAAAAABQAAAAAAAAAwMD/AAAAAABkAAAAMgAAAAAAAABkAAAAAAAAAH9/fwAKAAAAIgAAABgAAAAAAAAAAAAAAAAAAAAAAAAAAAAAAAAAAAAkAAAAJAAAAAAAAAAHAAAAAAAAAAAAAAAAAAAAAAAAAAAAAAAAAAAAf39/ACUAAABYAAAAAAAAAAAAAAAAAAAAAAAAAAAAAAAAAAAAAAAAAAAAAAAAAAAAAAAAAAAAAAA/AAAAAAAAAKCGAQAAAAAAAAAAAAAAAAAMAAAAAQAAAAAAAAAAAAAAAAAAAB8AAABUAAAAAAAABQAAAAEAAAAAAAAAAAAAAAAAAAAAAAAAAAAAAAAAAAAAAAAAAAAAAAJ/f38AAAAAA8zMzADAwP8Af39/AAAAAAAAAAAAAAAAAAAAAAAAAAAAIQAAABgAAAAUAAAA+DQAABonAADYRQAAWSkAABAAAAAmAAAACAAAAAAAAAAAAAAAMAAAABQAAAAAAAAAAAD//wAAAQAAAP//AAABAA=="/>
+                <pr:smNativeData xmlns:mc="http://schemas.openxmlformats.org/markup-compatibility/2006" xmlns:p14="http://schemas.microsoft.com/office/powerpoint/2010/main" xmlns:p15="http://schemas.microsoft.com/office/powerpoint/2012/main" xmlns:pr="smNativeData" xmlns="smNativeData" val="SMDATA_16_xzE7ZxMAAAAlAAAAZAAAAA0AAAAAkAAAAEgAAACQAAAASAAAAAAAAAABAAAAAAAAAAEAAABQAAAAAAAAAAAA4D8AAAAAAADgPwAAAAAAAOA/AAAAAAAA4D8AAAAAAADgPwAAAAAAAOA/AAAAAAAA4D8AAAAAAADgPwAAAAAAAOA/AAAAAAAA4D8CAAAAjAAAAAAAAAAAAAAARHLEDP///wgAAAAAAAAAAAAAAAAAAAAAAAAAAAAAAAAAAAAAZAAAAAEAAABAAAAAAAAAAAAAAAAAAAAAAAAAAAAAAAAAAAAAAAAAAAAAAAAAAAAAAAAAAAAAAAAAAAAAAAAAAAAAAAAAAAAAAAAAAAAAAAAAAAAAAAAAAAAAAAAAAAAAFAAAADwAAAAAAAAAAAAAAAAAAAkUAAAAAQAAABQAAAAUAAAAFAAAAAEAAAAAAAAAZAAAAGQAAAAAAAAAZAAAAGQAAAAVAAAAYAAAAAAAAAAAAAAADwAAACADAAAAAAAAAAAAAAEAAACgMgAAVgcAAKr4//8BAAAAf39/AAEAAABkAAAAAAAAABQAAABAHwAAAAAAACYAAAAAAAAAwOD//wAAAAAmAAAAZAAAABYAAABMAAAAAAAAAAAAAAAEAAAAAAAAAAEAAADn5uYKAAAAACgAAAAoAAAAZAAAAGQAAAAAAAAAzMzMAAAAAABQAAAAUAAAAGQAAABkAAAAAAAAABcAAAAUAAAAAAAAAAAAAAD/fwAA/38AAAAAAAAJAAAABAAAAAAAAAAeAAAAaAAAAAAAAAAAAAAAAAAAAAAAAAAAAAAAECcAABAnAAAAAAAAAAAAAAAAAAAAAAAAAAAAAAAAAAAAAAAAAAAAABQAAAAAAAAAwMD/AAAAAABkAAAAMgAAAAAAAABkAAAAAAAAAH9/fwAKAAAAIgAAABgAAAAAAAAAAAAAAAAAAAAAAAAAAAAAAAAAAAAkAAAAJAAAAAAAAAAHAAAAAAAAAAAAAAAAAAAAAAAAAAAAAAAAAAAAf39/ACUAAABYAAAAAAAAAAAAAAAAAAAAAAAAAAAAAAAAAAAAAAAAAAAAAAAAAAAAAAAAAAAAAAA/AAAAAAAAAKCGAQAAAAAAAAAAAAAAAAAMAAAAAQAAAAAAAAAAAAAAAAAAAB8AAABUAAAAAAAABQAAAAEAAAAAAAAAAAAAAAAAAAAAAAAAAAAAAAAAAAAAAAAAAAAAAAJ/f38AAAAAA8zMzADAwP8Af39/AAAAAAAAAAAAAAAAAAAAAAAAAAAAIQAAABgAAAAUAAAA+DQAABonAADYRQAAWSkAABAAAAAmAAAACAAAAAAAAAAAAAAAMAAAABQAAAAAAAAAAAD//wAAAQAAAP//AAABAA=="/>
               </a:ext>
             </a:extLst>
           </p:cNvSpPr>
@@ -3372,6 +3215,7 @@
             <a:fld id="{3BC5E6BA-F4D6-9010-987D-0245A8336E57}" type="slidenum">
               <a:t>‹#›</a:t>
             </a:fld>
+            <a:endParaRPr/>
           </a:p>
         </p:txBody>
       </p:sp>
@@ -3385,7 +3229,7 @@
 </file>
 
 <file path=ppt/slideLayouts/slideLayout6.xml><?xml version="1.0" encoding="utf-8"?>
-<p:sldLayout xmlns:p="http://schemas.openxmlformats.org/presentationml/2006/main" xmlns:mc="http://schemas.openxmlformats.org/markup-compatibility/2006" xmlns:p14="http://schemas.microsoft.com/office/powerpoint/2010/main" xmlns:p15="http://schemas.microsoft.com/office/powerpoint/2012/main" xmlns:r="http://schemas.openxmlformats.org/officeDocument/2006/relationships" xmlns:a="http://schemas.openxmlformats.org/drawingml/2006/main" type="titleOnly" preserve="1">
+<p:sldLayout xmlns:a="http://schemas.openxmlformats.org/drawingml/2006/main" xmlns:r="http://schemas.openxmlformats.org/officeDocument/2006/relationships" xmlns:p="http://schemas.openxmlformats.org/presentationml/2006/main" type="titleOnly" preserve="1">
   <p:cSld name="Только заголовок">
     <p:spTree>
       <p:nvGrpSpPr>
@@ -3408,7 +3252,7 @@
             <a:spLocks noGrp="1" noChangeArrowheads="1"/>
             <a:extLst>
               <a:ext uri="smNativeData">
-                <pr:smNativeData xmlns:pr="smNativeData" xmlns="smNativeData" val="SMDATA_16_xzE7ZxMAAAAlAAAAZAAAAA0AAAAAkAAAAEgAAACQAAAASAAAAAAAAAABAAAAAAAAAAEAAABQAAAAAAAAAAAA4D8AAAAAAADgPwAAAAAAAOA/AAAAAAAA4D8AAAAAAADgPwAAAAAAAOA/AAAAAAAA4D8AAAAAAADgPwAAAAAAAOA/AAAAAAAA4D8CAAAAjAAAAAAAAAAAAAAARHLEDP///wgAAAAAAAAAAAAAAAAAAAAAAAAAAAAAAAAAAAAAZAAAAAEAAABAAAAAAAAAAAAAAAAAAAAAAAAAAAAAAAAAAAAAAAAAAAAAAAAAAAAAAAAAAAAAAAAAAAAAAAAAAAAAAAAAAAAAAAAAAAAAAAAAAAAAAAAAAAAAAAAAAAAAFAAAADwAAAAAAAAAAAAAAAAAAAkUAAAAAQAAABQAAAAUAAAAFAAAAAEAAAAAAAAAZAAAAGQAAAAAAAAAZAAAAGQAAAAVAAAAYAAAAAAAAAAAAAAADwAAACADAAAAAAAAAAAAAAEAAACgMgAAVgcAAKr4//8BAAAAf39/AAEAAABkAAAAAAAAABQAAABAHwAAAAAAACYAAAAAAAAAwOD//wAAAAAmAAAAZAAAABYAAABMAAAAAAAAAAAAAAAEAAAAAAAAAAEAAADn5uYKAAAAACgAAAAoAAAAZAAAAGQAAAAAAAAAzMzMAAAAAABQAAAAUAAAAGQAAABkAAAAAAAAABcAAAAUAAAAAAAAAAAAAAD/fwAA/38AAAAAAAAJAAAABAAAAAAAAAAeAAAAaAAAAAAAAAAAAAAAAAAAAAAAAAAAAAAAECcAABAnAAAAAAAAAAAAAAAAAAAAAAAAAAAAAAAAAAAAAAAAAAAAABQAAAAAAAAAwMD/AAAAAABkAAAAMgAAAAAAAABkAAAAAAAAAH9/fwAKAAAAIgAAABgAAAAAAAAAAAAAAAAAAAAAAAAAAAAAAAAAAAAkAAAAJAAAAAAAAAAHAAAAAAAAAAAAAAAAAAAAAAAAAAAAAAAAAAAAf39/ACUAAABYAAAAAAAAAAAAAAAAAAAAAAAAAAAAAAAAAAAAAAAAAAAAAAAAAAAAAAAAAAAAAAA/AAAAAAAAAKCGAQAAAAAAAAAAAAAAAAAMAAAAAQAAAAAAAAAAAAAAAAAAAB8AAABUAAAAAAAABQAAAAEAAAAAAAAAAAAAAAAAAAAAAAAAAAAAAAAAAAAAAAAAAAAAAAJ/f38AAAAAA8zMzADAwP8Af39/AAAAAAAAAAAAAAAAAAAAAAAAAAAAIQAAABgAAAAUAAAAKAUAAD8CAADYRQAAZwoAABAAAAAmAAAACAAAAAAAAAAAAAAAMAAAABQAAAAAAAAAAAD//wAAAQAAAP//AAABAA=="/>
+                <pr:smNativeData xmlns:mc="http://schemas.openxmlformats.org/markup-compatibility/2006" xmlns:p14="http://schemas.microsoft.com/office/powerpoint/2010/main" xmlns:p15="http://schemas.microsoft.com/office/powerpoint/2012/main" xmlns:pr="smNativeData" xmlns="smNativeData" val="SMDATA_16_xzE7ZxMAAAAlAAAAZAAAAA0AAAAAkAAAAEgAAACQAAAASAAAAAAAAAABAAAAAAAAAAEAAABQAAAAAAAAAAAA4D8AAAAAAADgPwAAAAAAAOA/AAAAAAAA4D8AAAAAAADgPwAAAAAAAOA/AAAAAAAA4D8AAAAAAADgPwAAAAAAAOA/AAAAAAAA4D8CAAAAjAAAAAAAAAAAAAAARHLEDP///wgAAAAAAAAAAAAAAAAAAAAAAAAAAAAAAAAAAAAAZAAAAAEAAABAAAAAAAAAAAAAAAAAAAAAAAAAAAAAAAAAAAAAAAAAAAAAAAAAAAAAAAAAAAAAAAAAAAAAAAAAAAAAAAAAAAAAAAAAAAAAAAAAAAAAAAAAAAAAAAAAAAAAFAAAADwAAAAAAAAAAAAAAAAAAAkUAAAAAQAAABQAAAAUAAAAFAAAAAEAAAAAAAAAZAAAAGQAAAAAAAAAZAAAAGQAAAAVAAAAYAAAAAAAAAAAAAAADwAAACADAAAAAAAAAAAAAAEAAACgMgAAVgcAAKr4//8BAAAAf39/AAEAAABkAAAAAAAAABQAAABAHwAAAAAAACYAAAAAAAAAwOD//wAAAAAmAAAAZAAAABYAAABMAAAAAAAAAAAAAAAEAAAAAAAAAAEAAADn5uYKAAAAACgAAAAoAAAAZAAAAGQAAAAAAAAAzMzMAAAAAABQAAAAUAAAAGQAAABkAAAAAAAAABcAAAAUAAAAAAAAAAAAAAD/fwAA/38AAAAAAAAJAAAABAAAAAAAAAAeAAAAaAAAAAAAAAAAAAAAAAAAAAAAAAAAAAAAECcAABAnAAAAAAAAAAAAAAAAAAAAAAAAAAAAAAAAAAAAAAAAAAAAABQAAAAAAAAAwMD/AAAAAABkAAAAMgAAAAAAAABkAAAAAAAAAH9/fwAKAAAAIgAAABgAAAAAAAAAAAAAAAAAAAAAAAAAAAAAAAAAAAAkAAAAJAAAAAAAAAAHAAAAAAAAAAAAAAAAAAAAAAAAAAAAAAAAAAAAf39/ACUAAABYAAAAAAAAAAAAAAAAAAAAAAAAAAAAAAAAAAAAAAAAAAAAAAAAAAAAAAAAAAAAAAA/AAAAAAAAAKCGAQAAAAAAAAAAAAAAAAAMAAAAAQAAAAAAAAAAAAAAAAAAAB8AAABUAAAAAAAABQAAAAEAAAAAAAAAAAAAAAAAAAAAAAAAAAAAAAAAAAAAAAAAAAAAAAJ/f38AAAAAA8zMzADAwP8Af39/AAAAAAAAAAAAAAAAAAAAAAAAAAAAIQAAABgAAAAUAAAAKAUAAD8CAADYRQAAZwoAABAAAAAmAAAACAAAAAAAAAAAAAAAMAAAABQAAAAAAAAAAAD//wAAAQAAAP//AAABAA=="/>
               </a:ext>
             </a:extLst>
           </p:cNvSpPr>
@@ -3437,7 +3281,7 @@
             <a:spLocks noGrp="1" noChangeArrowheads="1"/>
             <a:extLst>
               <a:ext uri="smNativeData">
-                <pr:smNativeData xmlns:pr="smNativeData" xmlns="smNativeData" val="SMDATA_16_xzE7ZxMAAAAlAAAAZAAAAA0AAAAAkAAAAEgAAACQAAAASAAAAAAAAAABAAAAAAAAAAEAAABQAAAAAAAAAAAA4D8AAAAAAADgPwAAAAAAAOA/AAAAAAAA4D8AAAAAAADgPwAAAAAAAOA/AAAAAAAA4D8AAAAAAADgPwAAAAAAAOA/AAAAAAAA4D8CAAAAjAAAAAAAAAAAAAAARHLEDP///wgAAAAAAAAAAAAAAAAAAAAAAAAAAAAAAAAAAAAAZAAAAAEAAABAAAAAAAAAAAAAAAAAAAAAAAAAAAAAAAAAAAAAAAAAAAAAAAAAAAAAAAAAAAAAAAAAAAAAAAAAAAAAAAAAAAAAAAAAAAAAAAAAAAAAAAAAAAAAAAAAAAAAFAAAADwAAAAAAAAAAAAAAAAAAAkUAAAAAQAAABQAAAAUAAAAFAAAAAEAAAAAAAAAZAAAAGQAAAAAAAAAZAAAAGQAAAAVAAAAYAAAAAAAAAAAAAAADwAAACADAAAAAAAAAAAAAAEAAACgMgAAVgcAAKr4//8BAAAAf39/AAEAAABkAAAAAAAAABQAAABAHwAAAAAAACYAAAAAAAAAwOD//wAAAAAmAAAAZAAAABYAAABMAAAAAAAAAAAAAAAEAAAAAAAAAAEAAADn5uYKAAAAACgAAAAoAAAAZAAAAGQAAAAAAAAAzMzMAAAAAABQAAAAUAAAAGQAAABkAAAAAAAAABcAAAAUAAAAAAAAAAAAAAD/fwAA/38AAAAAAAAJAAAABAAAAAAAAAAeAAAAaAAAAAAAAAAAAAAAAAAAAAAAAAAAAAAAECcAABAnAAAAAAAAAAAAAAAAAAAAAAAAAAAAAAAAAAAAAAAAAAAAABQAAAAAAAAAwMD/AAAAAABkAAAAMgAAAAAAAABkAAAAAAAAAH9/fwAKAAAAIgAAABgAAAAAAAAAAAAAAAAAAAAAAAAAAAAAAAAAAAAkAAAAJAAAAAAAAAAHAAAAAAAAAAAAAAAAAAAAAAAAAAAAAAAAAAAAf39/ACUAAABYAAAAAAAAAAAAAAAAAAAAAAAAAAAAAAAAAAAAAAAAAAAAAAAAAAAAAAAAAAAAAAA/AAAAAAAAAKCGAQAAAAAAAAAAAAAAAAAMAAAAAQAAAAAAAAAAAAAAAAAAAB8AAABUAAAAAAAABQAAAAEAAAAAAAAAAAAAAAAAAAAAAAAAAAAAAAAAAAAAAAAAAAAAAAJ/f38AAAAAA8zMzADAwP8Af39/AAAAAAAAAAAAAAAAAAAAAAAAAAAAIQAAABgAAAAUAAAAKAUAABonAAAIFgAAWSkAABAAAAAmAAAACAAAAAAAAAAAAAAAMAAAABQAAAAAAAAAAAD//wAAAQAAAP//AAABAA=="/>
+                <pr:smNativeData xmlns:mc="http://schemas.openxmlformats.org/markup-compatibility/2006" xmlns:p14="http://schemas.microsoft.com/office/powerpoint/2010/main" xmlns:p15="http://schemas.microsoft.com/office/powerpoint/2012/main" xmlns:pr="smNativeData" xmlns="smNativeData" val="SMDATA_16_xzE7ZxMAAAAlAAAAZAAAAA0AAAAAkAAAAEgAAACQAAAASAAAAAAAAAABAAAAAAAAAAEAAABQAAAAAAAAAAAA4D8AAAAAAADgPwAAAAAAAOA/AAAAAAAA4D8AAAAAAADgPwAAAAAAAOA/AAAAAAAA4D8AAAAAAADgPwAAAAAAAOA/AAAAAAAA4D8CAAAAjAAAAAAAAAAAAAAARHLEDP///wgAAAAAAAAAAAAAAAAAAAAAAAAAAAAAAAAAAAAAZAAAAAEAAABAAAAAAAAAAAAAAAAAAAAAAAAAAAAAAAAAAAAAAAAAAAAAAAAAAAAAAAAAAAAAAAAAAAAAAAAAAAAAAAAAAAAAAAAAAAAAAAAAAAAAAAAAAAAAAAAAAAAAFAAAADwAAAAAAAAAAAAAAAAAAAkUAAAAAQAAABQAAAAUAAAAFAAAAAEAAAAAAAAAZAAAAGQAAAAAAAAAZAAAAGQAAAAVAAAAYAAAAAAAAAAAAAAADwAAACADAAAAAAAAAAAAAAEAAACgMgAAVgcAAKr4//8BAAAAf39/AAEAAABkAAAAAAAAABQAAABAHwAAAAAAACYAAAAAAAAAwOD//wAAAAAmAAAAZAAAABYAAABMAAAAAAAAAAAAAAAEAAAAAAAAAAEAAADn5uYKAAAAACgAAAAoAAAAZAAAAGQAAAAAAAAAzMzMAAAAAABQAAAAUAAAAGQAAABkAAAAAAAAABcAAAAUAAAAAAAAAAAAAAD/fwAA/38AAAAAAAAJAAAABAAAAAAAAAAeAAAAaAAAAAAAAAAAAAAAAAAAAAAAAAAAAAAAECcAABAnAAAAAAAAAAAAAAAAAAAAAAAAAAAAAAAAAAAAAAAAAAAAABQAAAAAAAAAwMD/AAAAAABkAAAAMgAAAAAAAABkAAAAAAAAAH9/fwAKAAAAIgAAABgAAAAAAAAAAAAAAAAAAAAAAAAAAAAAAAAAAAAkAAAAJAAAAAAAAAAHAAAAAAAAAAAAAAAAAAAAAAAAAAAAAAAAAAAAf39/ACUAAABYAAAAAAAAAAAAAAAAAAAAAAAAAAAAAAAAAAAAAAAAAAAAAAAAAAAAAAAAAAAAAAA/AAAAAAAAAKCGAQAAAAAAAAAAAAAAAAAMAAAAAQAAAAAAAAAAAAAAAAAAAB8AAABUAAAAAAAABQAAAAEAAAAAAAAAAAAAAAAAAAAAAAAAAAAAAAAAAAAAAAAAAAAAAAJ/f38AAAAAA8zMzADAwP8Af39/AAAAAAAAAAAAAAAAAAAAAAAAAAAAIQAAABgAAAAUAAAAKAUAABonAAAIFgAAWSkAABAAAAAmAAAACAAAAAAAAAAAAAAAMAAAABQAAAAAAAAAAAD//wAAAQAAAP//AAABAA=="/>
               </a:ext>
             </a:extLst>
           </p:cNvSpPr>
@@ -3454,8 +3298,9 @@
               <a:defRPr lang="ru-ru"/>
             </a:pPr>
             <a:fld id="{3BC5A488-C6D6-9052-987D-3007EA336E65}" type="datetime1">
-              <a:t>18.11.2024</a:t>
+              <a:t>20.11.2024</a:t>
             </a:fld>
+            <a:endParaRPr/>
           </a:p>
         </p:txBody>
       </p:sp>
@@ -3466,7 +3311,7 @@
             <a:spLocks noGrp="1" noChangeArrowheads="1"/>
             <a:extLst>
               <a:ext uri="smNativeData">
-                <pr:smNativeData xmlns:pr="smNativeData" xmlns="smNativeData" val="SMDATA_16_xzE7ZxMAAAAlAAAAZAAAAA0AAAAAkAAAAEgAAACQAAAASAAAAAAAAAABAAAAAAAAAAEAAABQAAAAAAAAAAAA4D8AAAAAAADgPwAAAAAAAOA/AAAAAAAA4D8AAAAAAADgPwAAAAAAAOA/AAAAAAAA4D8AAAAAAADgPwAAAAAAAOA/AAAAAAAA4D8CAAAAjAAAAAAAAAAAAAAARHLEDP///wgAAAAAAAAAAAAAAAAAAAAAAAAAAAAAAAAAAAAAZAAAAAEAAABAAAAAAAAAAAAAAAAAAAAAAAAAAAAAAAAAAAAAAAAAAAAAAAAAAAAAAAAAAAAAAAAAAAAAAAAAAAAAAAAAAAAAAAAAAAAAAAAAAAAAAAAAAAAAAAAAAAAAFAAAADwAAAAAAAAAAAAAAAAAAAkUAAAAAQAAABQAAAAUAAAAFAAAAAEAAAAAAAAAZAAAAGQAAAAAAAAAZAAAAGQAAAAVAAAAYAAAAAAAAAAAAAAADwAAACADAAAAAAAAAAAAAAEAAACgMgAAVgcAAKr4//8BAAAAf39/AAEAAABkAAAAAAAAABQAAABAHwAAAAAAACYAAAAAAAAAwOD//wAAAAAmAAAAZAAAABYAAABMAAAAAAAAAAAAAAAEAAAAAAAAAAEAAADn5uYKAAAAACgAAAAoAAAAZAAAAGQAAAAAAAAAzMzMAAAAAABQAAAAUAAAAGQAAABkAAAAAAAAABcAAAAUAAAAAAAAAAAAAAD/fwAA/38AAAAAAAAJAAAABAAAAAAAAAAeAAAAaAAAAAAAAAAAAAAAAAAAAAAAAAAAAAAAECcAABAnAAAAAAAAAAAAAAAAAAAAAAAAAAAAAAAAAAAAAAAAAAAAABQAAAAAAAAAwMD/AAAAAABkAAAAMgAAAAAAAABkAAAAAAAAAH9/fwAKAAAAIgAAABgAAAAAAAAAAAAAAAAAAAAAAAAAAAAAAAAAAAAkAAAAJAAAAAAAAAAHAAAAAAAAAAAAAAAAAAAAAAAAAAAAAAAAAAAAf39/ACUAAABYAAAAAAAAAAAAAAAAAAAAAAAAAAAAAAAAAAAAAAAAAAAAAAAAAAAAAAAAAAAAAAA/AAAAAAAAAKCGAQAAAAAAAAAAAAAAAAAMAAAAAQAAAAAAAAAAAAAAAAAAAB8AAABUAAAAAAAABQAAAAEAAAAAAAAAAAAAAAAAAAAAAAAAAAAAAAAAAAAAAAAAAAAAAAJ/f38AAAAAA8zMzADAwP8Af39/AAAAAAAAAAAAAAAAAAAAAAAAAAAAIQAAABgAAAAUAAAA2BgAABonAAAoMgAAWSkAABAAAAAmAAAACAAAAAAAAAAAAAAAMAAAABQAAAAAAAAAAAD//wAAAQAAAP//AAABAA=="/>
+                <pr:smNativeData xmlns:mc="http://schemas.openxmlformats.org/markup-compatibility/2006" xmlns:p14="http://schemas.microsoft.com/office/powerpoint/2010/main" xmlns:p15="http://schemas.microsoft.com/office/powerpoint/2012/main" xmlns:pr="smNativeData" xmlns="smNativeData" val="SMDATA_16_xzE7ZxMAAAAlAAAAZAAAAA0AAAAAkAAAAEgAAACQAAAASAAAAAAAAAABAAAAAAAAAAEAAABQAAAAAAAAAAAA4D8AAAAAAADgPwAAAAAAAOA/AAAAAAAA4D8AAAAAAADgPwAAAAAAAOA/AAAAAAAA4D8AAAAAAADgPwAAAAAAAOA/AAAAAAAA4D8CAAAAjAAAAAAAAAAAAAAARHLEDP///wgAAAAAAAAAAAAAAAAAAAAAAAAAAAAAAAAAAAAAZAAAAAEAAABAAAAAAAAAAAAAAAAAAAAAAAAAAAAAAAAAAAAAAAAAAAAAAAAAAAAAAAAAAAAAAAAAAAAAAAAAAAAAAAAAAAAAAAAAAAAAAAAAAAAAAAAAAAAAAAAAAAAAFAAAADwAAAAAAAAAAAAAAAAAAAkUAAAAAQAAABQAAAAUAAAAFAAAAAEAAAAAAAAAZAAAAGQAAAAAAAAAZAAAAGQAAAAVAAAAYAAAAAAAAAAAAAAADwAAACADAAAAAAAAAAAAAAEAAACgMgAAVgcAAKr4//8BAAAAf39/AAEAAABkAAAAAAAAABQAAABAHwAAAAAAACYAAAAAAAAAwOD//wAAAAAmAAAAZAAAABYAAABMAAAAAAAAAAAAAAAEAAAAAAAAAAEAAADn5uYKAAAAACgAAAAoAAAAZAAAAGQAAAAAAAAAzMzMAAAAAABQAAAAUAAAAGQAAABkAAAAAAAAABcAAAAUAAAAAAAAAAAAAAD/fwAA/38AAAAAAAAJAAAABAAAAAAAAAAeAAAAaAAAAAAAAAAAAAAAAAAAAAAAAAAAAAAAECcAABAnAAAAAAAAAAAAAAAAAAAAAAAAAAAAAAAAAAAAAAAAAAAAABQAAAAAAAAAwMD/AAAAAABkAAAAMgAAAAAAAABkAAAAAAAAAH9/fwAKAAAAIgAAABgAAAAAAAAAAAAAAAAAAAAAAAAAAAAAAAAAAAAkAAAAJAAAAAAAAAAHAAAAAAAAAAAAAAAAAAAAAAAAAAAAAAAAAAAAf39/ACUAAABYAAAAAAAAAAAAAAAAAAAAAAAAAAAAAAAAAAAAAAAAAAAAAAAAAAAAAAAAAAAAAAA/AAAAAAAAAKCGAQAAAAAAAAAAAAAAAAAMAAAAAQAAAAAAAAAAAAAAAAAAAB8AAABUAAAAAAAABQAAAAEAAAAAAAAAAAAAAAAAAAAAAAAAAAAAAAAAAAAAAAAAAAAAAAJ/f38AAAAAA8zMzADAwP8Af39/AAAAAAAAAAAAAAAAAAAAAAAAAAAAIQAAABgAAAAUAAAA2BgAABonAAAoMgAAWSkAABAAAAAmAAAACAAAAAAAAAAAAAAAMAAAABQAAAAAAAAAAAD//wAAAQAAAP//AAABAA=="/>
               </a:ext>
             </a:extLst>
           </p:cNvSpPr>
@@ -3482,6 +3327,7 @@
             <a:pPr>
               <a:defRPr lang="ru-ru"/>
             </a:pPr>
+            <a:endParaRPr/>
           </a:p>
         </p:txBody>
       </p:sp>
@@ -3492,7 +3338,7 @@
             <a:spLocks noGrp="1" noChangeArrowheads="1"/>
             <a:extLst>
               <a:ext uri="smNativeData">
-                <pr:smNativeData xmlns:pr="smNativeData" xmlns="smNativeData" val="SMDATA_16_xzE7ZxMAAAAlAAAAZAAAAA0AAAAAkAAAAEgAAACQAAAASAAAAAAAAAABAAAAAAAAAAEAAABQAAAAAAAAAAAA4D8AAAAAAADgPwAAAAAAAOA/AAAAAAAA4D8AAAAAAADgPwAAAAAAAOA/AAAAAAAA4D8AAAAAAADgPwAAAAAAAOA/AAAAAAAA4D8CAAAAjAAAAAAAAAAAAAAARHLEDP///wgAAAAAAAAAAAAAAAAAAAAAAAAAAAAAAAAAAAAAZAAAAAEAAABAAAAAAAAAAAAAAAAAAAAAAAAAAAAAAAAAAAAAAAAAAAAAAAAAAAAAAAAAAAAAAAAAAAAAAAAAAAAAAAAAAAAAAAAAAAAAAAAAAAAAAAAAAAAAAAAAAAAAFAAAADwAAAAAAAAAAAAAAAAAAAkUAAAAAQAAABQAAAAUAAAAFAAAAAEAAAAAAAAAZAAAAGQAAAAAAAAAZAAAAGQAAAAVAAAAYAAAAAAAAAAAAAAADwAAACADAAAAAAAAAAAAAAEAAACgMgAAVgcAAKr4//8BAAAAf39/AAEAAABkAAAAAAAAABQAAABAHwAAAAAAACYAAAAAAAAAwOD//wAAAAAmAAAAZAAAABYAAABMAAAAAAAAAAAAAAAEAAAAAAAAAAEAAADn5uYKAAAAACgAAAAoAAAAZAAAAGQAAAAAAAAAzMzMAAAAAABQAAAAUAAAAGQAAABkAAAAAAAAABcAAAAUAAAAAAAAAAAAAAD/fwAA/38AAAAAAAAJAAAABAAAAAAAAAAeAAAAaAAAAAAAAAAAAAAAAAAAAAAAAAAAAAAAECcAABAnAAAAAAAAAAAAAAAAAAAAAAAAAAAAAAAAAAAAAAAAAAAAABQAAAAAAAAAwMD/AAAAAABkAAAAMgAAAAAAAABkAAAAAAAAAH9/fwAKAAAAIgAAABgAAAAAAAAAAAAAAAAAAAAAAAAAAAAAAAAAAAAkAAAAJAAAAAAAAAAHAAAAAAAAAAAAAAAAAAAAAAAAAAAAAAAAAAAAf39/ACUAAABYAAAAAAAAAAAAAAAAAAAAAAAAAAAAAAAAAAAAAAAAAAAAAAAAAAAAAAAAAAAAAAA/AAAAAAAAAKCGAQAAAAAAAAAAAAAAAAAMAAAAAQAAAAAAAAAAAAAAAAAAAB8AAABUAAAAAAAABQAAAAEAAAAAAAAAAAAAAAAAAAAAAAAAAAAAAAAAAAAAAAAAAAAAAAJ/f38AAAAAA8zMzADAwP8Af39/AAAAAAAAAAAAAAAAAAAAAAAAAAAAIQAAABgAAAAUAAAA+DQAABonAADYRQAAWSkAABAAAAAmAAAACAAAAAAAAAAAAAAAMAAAABQAAAAAAAAAAAD//wAAAQAAAP//AAABAA=="/>
+                <pr:smNativeData xmlns:mc="http://schemas.openxmlformats.org/markup-compatibility/2006" xmlns:p14="http://schemas.microsoft.com/office/powerpoint/2010/main" xmlns:p15="http://schemas.microsoft.com/office/powerpoint/2012/main" xmlns:pr="smNativeData" xmlns="smNativeData" val="SMDATA_16_xzE7ZxMAAAAlAAAAZAAAAA0AAAAAkAAAAEgAAACQAAAASAAAAAAAAAABAAAAAAAAAAEAAABQAAAAAAAAAAAA4D8AAAAAAADgPwAAAAAAAOA/AAAAAAAA4D8AAAAAAADgPwAAAAAAAOA/AAAAAAAA4D8AAAAAAADgPwAAAAAAAOA/AAAAAAAA4D8CAAAAjAAAAAAAAAAAAAAARHLEDP///wgAAAAAAAAAAAAAAAAAAAAAAAAAAAAAAAAAAAAAZAAAAAEAAABAAAAAAAAAAAAAAAAAAAAAAAAAAAAAAAAAAAAAAAAAAAAAAAAAAAAAAAAAAAAAAAAAAAAAAAAAAAAAAAAAAAAAAAAAAAAAAAAAAAAAAAAAAAAAAAAAAAAAFAAAADwAAAAAAAAAAAAAAAAAAAkUAAAAAQAAABQAAAAUAAAAFAAAAAEAAAAAAAAAZAAAAGQAAAAAAAAAZAAAAGQAAAAVAAAAYAAAAAAAAAAAAAAADwAAACADAAAAAAAAAAAAAAEAAACgMgAAVgcAAKr4//8BAAAAf39/AAEAAABkAAAAAAAAABQAAABAHwAAAAAAACYAAAAAAAAAwOD//wAAAAAmAAAAZAAAABYAAABMAAAAAAAAAAAAAAAEAAAAAAAAAAEAAADn5uYKAAAAACgAAAAoAAAAZAAAAGQAAAAAAAAAzMzMAAAAAABQAAAAUAAAAGQAAABkAAAAAAAAABcAAAAUAAAAAAAAAAAAAAD/fwAA/38AAAAAAAAJAAAABAAAAAAAAAAeAAAAaAAAAAAAAAAAAAAAAAAAAAAAAAAAAAAAECcAABAnAAAAAAAAAAAAAAAAAAAAAAAAAAAAAAAAAAAAAAAAAAAAABQAAAAAAAAAwMD/AAAAAABkAAAAMgAAAAAAAABkAAAAAAAAAH9/fwAKAAAAIgAAABgAAAAAAAAAAAAAAAAAAAAAAAAAAAAAAAAAAAAkAAAAJAAAAAAAAAAHAAAAAAAAAAAAAAAAAAAAAAAAAAAAAAAAAAAAf39/ACUAAABYAAAAAAAAAAAAAAAAAAAAAAAAAAAAAAAAAAAAAAAAAAAAAAAAAAAAAAAAAAAAAAA/AAAAAAAAAKCGAQAAAAAAAAAAAAAAAAAMAAAAAQAAAAAAAAAAAAAAAAAAAB8AAABUAAAAAAAABQAAAAEAAAAAAAAAAAAAAAAAAAAAAAAAAAAAAAAAAAAAAAAAAAAAAAJ/f38AAAAAA8zMzADAwP8Af39/AAAAAAAAAAAAAAAAAAAAAAAAAAAAIQAAABgAAAAUAAAA+DQAABonAADYRQAAWSkAABAAAAAmAAAACAAAAAAAAAAAAAAAMAAAABQAAAAAAAAAAAD//wAAAQAAAP//AAABAA=="/>
               </a:ext>
             </a:extLst>
           </p:cNvSpPr>
@@ -3511,6 +3357,7 @@
             <a:fld id="{3BC58921-6FD6-907F-987D-992AC7336ECC}" type="slidenum">
               <a:t>‹#›</a:t>
             </a:fld>
+            <a:endParaRPr/>
           </a:p>
         </p:txBody>
       </p:sp>
@@ -3524,7 +3371,7 @@
 </file>
 
 <file path=ppt/slideLayouts/slideLayout7.xml><?xml version="1.0" encoding="utf-8"?>
-<p:sldLayout xmlns:p="http://schemas.openxmlformats.org/presentationml/2006/main" xmlns:mc="http://schemas.openxmlformats.org/markup-compatibility/2006" xmlns:p14="http://schemas.microsoft.com/office/powerpoint/2010/main" xmlns:p15="http://schemas.microsoft.com/office/powerpoint/2012/main" xmlns:r="http://schemas.openxmlformats.org/officeDocument/2006/relationships" xmlns:a="http://schemas.openxmlformats.org/drawingml/2006/main" type="blank" preserve="1">
+<p:sldLayout xmlns:a="http://schemas.openxmlformats.org/drawingml/2006/main" xmlns:r="http://schemas.openxmlformats.org/officeDocument/2006/relationships" xmlns:p="http://schemas.openxmlformats.org/presentationml/2006/main" type="blank" preserve="1">
   <p:cSld name="Пустой слайд">
     <p:spTree>
       <p:nvGrpSpPr>
@@ -3547,7 +3394,7 @@
             <a:spLocks noGrp="1" noChangeArrowheads="1"/>
             <a:extLst>
               <a:ext uri="smNativeData">
-                <pr:smNativeData xmlns:pr="smNativeData" xmlns="smNativeData" val="SMDATA_16_xzE7ZxMAAAAlAAAAZAAAAA0AAAAAkAAAAEgAAACQAAAASAAAAAAAAAABAAAAAAAAAAEAAABQAAAAAAAAAAAA4D8AAAAAAADgPwAAAAAAAOA/AAAAAAAA4D8AAAAAAADgPwAAAAAAAOA/AAAAAAAA4D8AAAAAAADgPwAAAAAAAOA/AAAAAAAA4D8CAAAAjAAAAAAAAAAAAAAARHLEDP///wgAAAAAAAAAAAAAAAAAAAAAAAAAAAAAAAAAAAAAZAAAAAEAAABAAAAAAAAAAAAAAAAAAAAAAAAAAAAAAAAAAAAAAAAAAAAAAAAAAAAAAAAAAAAAAAAAAAAAAAAAAAAAAAAAAAAAAAAAAAAAAAAAAAAAAAAAAAAAAAAAAAAAFAAAADwAAAAAAAAAAAAAAAAAAAkUAAAAAQAAABQAAAAUAAAAFAAAAAEAAAAAAAAAZAAAAGQAAAAAAAAAZAAAAGQAAAAVAAAAYAAAAAAAAAAAAAAADwAAACADAAAAAAAAAAAAAAEAAACgMgAAVgcAAKr4//8BAAAAf39/AAEAAABkAAAAAAAAABQAAABAHwAAAAAAACYAAAAAAAAAwOD//wAAAAAmAAAAZAAAABYAAABMAAAAAAAAAAAAAAAEAAAAAAAAAAEAAADn5uYKAAAAACgAAAAoAAAAZAAAAGQAAAAAAAAAzMzMAAAAAABQAAAAUAAAAGQAAABkAAAAAAAAABcAAAAUAAAAAAAAAAAAAAD/fwAA/38AAAAAAAAJAAAABAAAAAAAAAAeAAAAaAAAAAAAAAAAAAAAAAAAAAAAAAAAAAAAECcAABAnAAAAAAAAAAAAAAAAAAAAAAAAAAAAAAAAAAAAAAAAAAAAABQAAAAAAAAAwMD/AAAAAABkAAAAMgAAAAAAAABkAAAAAAAAAH9/fwAKAAAAIgAAABgAAAAAAAAAAAAAAAAAAAAAAAAAAAAAAAAAAAAkAAAAJAAAAAAAAAAHAAAAAAAAAAAAAAAAAAAAAAAAAAAAAAAAAAAAf39/ACUAAABYAAAAAAAAAAAAAAAAAAAAAAAAAAAAAAAAAAAAAAAAAAAAAAAAAAAAAAAAAAAAAAA/AAAAAAAAAKCGAQAAAAAAAAAAAAAAAAAMAAAAAQAAAAAAAAAAAAAAAAAAAB8AAABUAAAAAAAABQAAAAEAAAAAAAAAAAAAAAAAAAAAAAAAAAAAAAAAAAAAAAAAAAAAAAJ/f38AAAAAA8zMzADAwP8Af39/AAAAAAAAAAAAAAAAAAAAAAAAAAAAIQAAABgAAAAUAAAAKAUAABonAAAIFgAAWSkAABAAAAAmAAAACAAAAAAAAAAAAAAAMAAAABQAAAAAAAAAAAD//wAAAQAAAP//AAABAA=="/>
+                <pr:smNativeData xmlns:mc="http://schemas.openxmlformats.org/markup-compatibility/2006" xmlns:p14="http://schemas.microsoft.com/office/powerpoint/2010/main" xmlns:p15="http://schemas.microsoft.com/office/powerpoint/2012/main" xmlns:pr="smNativeData" xmlns="smNativeData" val="SMDATA_16_xzE7ZxMAAAAlAAAAZAAAAA0AAAAAkAAAAEgAAACQAAAASAAAAAAAAAABAAAAAAAAAAEAAABQAAAAAAAAAAAA4D8AAAAAAADgPwAAAAAAAOA/AAAAAAAA4D8AAAAAAADgPwAAAAAAAOA/AAAAAAAA4D8AAAAAAADgPwAAAAAAAOA/AAAAAAAA4D8CAAAAjAAAAAAAAAAAAAAARHLEDP///wgAAAAAAAAAAAAAAAAAAAAAAAAAAAAAAAAAAAAAZAAAAAEAAABAAAAAAAAAAAAAAAAAAAAAAAAAAAAAAAAAAAAAAAAAAAAAAAAAAAAAAAAAAAAAAAAAAAAAAAAAAAAAAAAAAAAAAAAAAAAAAAAAAAAAAAAAAAAAAAAAAAAAFAAAADwAAAAAAAAAAAAAAAAAAAkUAAAAAQAAABQAAAAUAAAAFAAAAAEAAAAAAAAAZAAAAGQAAAAAAAAAZAAAAGQAAAAVAAAAYAAAAAAAAAAAAAAADwAAACADAAAAAAAAAAAAAAEAAACgMgAAVgcAAKr4//8BAAAAf39/AAEAAABkAAAAAAAAABQAAABAHwAAAAAAACYAAAAAAAAAwOD//wAAAAAmAAAAZAAAABYAAABMAAAAAAAAAAAAAAAEAAAAAAAAAAEAAADn5uYKAAAAACgAAAAoAAAAZAAAAGQAAAAAAAAAzMzMAAAAAABQAAAAUAAAAGQAAABkAAAAAAAAABcAAAAUAAAAAAAAAAAAAAD/fwAA/38AAAAAAAAJAAAABAAAAAAAAAAeAAAAaAAAAAAAAAAAAAAAAAAAAAAAAAAAAAAAECcAABAnAAAAAAAAAAAAAAAAAAAAAAAAAAAAAAAAAAAAAAAAAAAAABQAAAAAAAAAwMD/AAAAAABkAAAAMgAAAAAAAABkAAAAAAAAAH9/fwAKAAAAIgAAABgAAAAAAAAAAAAAAAAAAAAAAAAAAAAAAAAAAAAkAAAAJAAAAAAAAAAHAAAAAAAAAAAAAAAAAAAAAAAAAAAAAAAAAAAAf39/ACUAAABYAAAAAAAAAAAAAAAAAAAAAAAAAAAAAAAAAAAAAAAAAAAAAAAAAAAAAAAAAAAAAAA/AAAAAAAAAKCGAQAAAAAAAAAAAAAAAAAMAAAAAQAAAAAAAAAAAAAAAAAAAB8AAABUAAAAAAAABQAAAAEAAAAAAAAAAAAAAAAAAAAAAAAAAAAAAAAAAAAAAAAAAAAAAAJ/f38AAAAAA8zMzADAwP8Af39/AAAAAAAAAAAAAAAAAAAAAAAAAAAAIQAAABgAAAAUAAAAKAUAABonAAAIFgAAWSkAABAAAAAmAAAACAAAAAAAAAAAAAAAMAAAABQAAAAAAAAAAAD//wAAAQAAAP//AAABAA=="/>
               </a:ext>
             </a:extLst>
           </p:cNvSpPr>
@@ -3564,8 +3411,9 @@
               <a:defRPr lang="ru-ru"/>
             </a:pPr>
             <a:fld id="{3BC5EBFE-B0D6-901D-987D-4648A5336E13}" type="datetime1">
-              <a:t/>
+              <a:t>20.11.2024</a:t>
             </a:fld>
+            <a:endParaRPr/>
           </a:p>
         </p:txBody>
       </p:sp>
@@ -3576,7 +3424,7 @@
             <a:spLocks noGrp="1" noChangeArrowheads="1"/>
             <a:extLst>
               <a:ext uri="smNativeData">
-                <pr:smNativeData xmlns:pr="smNativeData" xmlns="smNativeData" val="SMDATA_16_xzE7ZxMAAAAlAAAAZAAAAA0AAAAAkAAAAEgAAACQAAAASAAAAAAAAAABAAAAAAAAAAEAAABQAAAAAAAAAAAA4D8AAAAAAADgPwAAAAAAAOA/AAAAAAAA4D8AAAAAAADgPwAAAAAAAOA/AAAAAAAA4D8AAAAAAADgPwAAAAAAAOA/AAAAAAAA4D8CAAAAjAAAAAAAAAAAAAAARHLEDP///wgAAAAAAAAAAAAAAAAAAAAAAAAAAAAAAAAAAAAAZAAAAAEAAABAAAAAAAAAAAAAAAAAAAAAAAAAAAAAAAAAAAAAAAAAAAAAAAAAAAAAAAAAAAAAAAAAAAAAAAAAAAAAAAAAAAAAAAAAAAAAAAAAAAAAAAAAAAAAAAAAAAAAFAAAADwAAAAAAAAAAAAAAAAAAAkUAAAAAQAAABQAAAAUAAAAFAAAAAEAAAAAAAAAZAAAAGQAAAAAAAAAZAAAAGQAAAAVAAAAYAAAAAAAAAAAAAAADwAAACADAAAAAAAAAAAAAAEAAACgMgAAVgcAAKr4//8BAAAAf39/AAEAAABkAAAAAAAAABQAAABAHwAAAAAAACYAAAAAAAAAwOD//wAAAAAmAAAAZAAAABYAAABMAAAAAAAAAAAAAAAEAAAAAAAAAAEAAADn5uYKAAAAACgAAAAoAAAAZAAAAGQAAAAAAAAAzMzMAAAAAABQAAAAUAAAAGQAAABkAAAAAAAAABcAAAAUAAAAAAAAAAAAAAD/fwAA/38AAAAAAAAJAAAABAAAAAAAAAAeAAAAaAAAAAAAAAAAAAAAAAAAAAAAAAAAAAAAECcAABAnAAAAAAAAAAAAAAAAAAAAAAAAAAAAAAAAAAAAAAAAAAAAABQAAAAAAAAAwMD/AAAAAABkAAAAMgAAAAAAAABkAAAAAAAAAH9/fwAKAAAAIgAAABgAAAAAAAAAAAAAAAAAAAAAAAAAAAAAAAAAAAAkAAAAJAAAAAAAAAAHAAAAAAAAAAAAAAAAAAAAAAAAAAAAAAAAAAAAf39/ACUAAABYAAAAAAAAAAAAAAAAAAAAAAAAAAAAAAAAAAAAAAAAAAAAAAAAAAAAAAAAAAAAAAA/AAAAAAAAAKCGAQAAAAAAAAAAAAAAAAAMAAAAAQAAAAAAAAAAAAAAAAAAAB8AAABUAAAAAAAABQAAAAEAAAAAAAAAAAAAAAAAAAAAAAAAAAAAAAAAAAAAAAAAAAAAAAJ/f38AAAAAA8zMzADAwP8Af39/AAAAAAAAAAAAAAAAAAAAAAAAAAAAIQAAABgAAAAUAAAA2BgAABonAAAoMgAAWSkAABAAAAAmAAAACAAAAAAAAAAAAAAAMAAAABQAAAAAAAAAAAD//wAAAQAAAP//AAABAA=="/>
+                <pr:smNativeData xmlns:mc="http://schemas.openxmlformats.org/markup-compatibility/2006" xmlns:p14="http://schemas.microsoft.com/office/powerpoint/2010/main" xmlns:p15="http://schemas.microsoft.com/office/powerpoint/2012/main" xmlns:pr="smNativeData" xmlns="smNativeData" val="SMDATA_16_xzE7ZxMAAAAlAAAAZAAAAA0AAAAAkAAAAEgAAACQAAAASAAAAAAAAAABAAAAAAAAAAEAAABQAAAAAAAAAAAA4D8AAAAAAADgPwAAAAAAAOA/AAAAAAAA4D8AAAAAAADgPwAAAAAAAOA/AAAAAAAA4D8AAAAAAADgPwAAAAAAAOA/AAAAAAAA4D8CAAAAjAAAAAAAAAAAAAAARHLEDP///wgAAAAAAAAAAAAAAAAAAAAAAAAAAAAAAAAAAAAAZAAAAAEAAABAAAAAAAAAAAAAAAAAAAAAAAAAAAAAAAAAAAAAAAAAAAAAAAAAAAAAAAAAAAAAAAAAAAAAAAAAAAAAAAAAAAAAAAAAAAAAAAAAAAAAAAAAAAAAAAAAAAAAFAAAADwAAAAAAAAAAAAAAAAAAAkUAAAAAQAAABQAAAAUAAAAFAAAAAEAAAAAAAAAZAAAAGQAAAAAAAAAZAAAAGQAAAAVAAAAYAAAAAAAAAAAAAAADwAAACADAAAAAAAAAAAAAAEAAACgMgAAVgcAAKr4//8BAAAAf39/AAEAAABkAAAAAAAAABQAAABAHwAAAAAAACYAAAAAAAAAwOD//wAAAAAmAAAAZAAAABYAAABMAAAAAAAAAAAAAAAEAAAAAAAAAAEAAADn5uYKAAAAACgAAAAoAAAAZAAAAGQAAAAAAAAAzMzMAAAAAABQAAAAUAAAAGQAAABkAAAAAAAAABcAAAAUAAAAAAAAAAAAAAD/fwAA/38AAAAAAAAJAAAABAAAAAAAAAAeAAAAaAAAAAAAAAAAAAAAAAAAAAAAAAAAAAAAECcAABAnAAAAAAAAAAAAAAAAAAAAAAAAAAAAAAAAAAAAAAAAAAAAABQAAAAAAAAAwMD/AAAAAABkAAAAMgAAAAAAAABkAAAAAAAAAH9/fwAKAAAAIgAAABgAAAAAAAAAAAAAAAAAAAAAAAAAAAAAAAAAAAAkAAAAJAAAAAAAAAAHAAAAAAAAAAAAAAAAAAAAAAAAAAAAAAAAAAAAf39/ACUAAABYAAAAAAAAAAAAAAAAAAAAAAAAAAAAAAAAAAAAAAAAAAAAAAAAAAAAAAAAAAAAAAA/AAAAAAAAAKCGAQAAAAAAAAAAAAAAAAAMAAAAAQAAAAAAAAAAAAAAAAAAAB8AAABUAAAAAAAABQAAAAEAAAAAAAAAAAAAAAAAAAAAAAAAAAAAAAAAAAAAAAAAAAAAAAJ/f38AAAAAA8zMzADAwP8Af39/AAAAAAAAAAAAAAAAAAAAAAAAAAAAIQAAABgAAAAUAAAA2BgAABonAAAoMgAAWSkAABAAAAAmAAAACAAAAAAAAAAAAAAAMAAAABQAAAAAAAAAAAD//wAAAQAAAP//AAABAA=="/>
               </a:ext>
             </a:extLst>
           </p:cNvSpPr>
@@ -3592,6 +3440,7 @@
             <a:pPr>
               <a:defRPr lang="ru-ru"/>
             </a:pPr>
+            <a:endParaRPr/>
           </a:p>
         </p:txBody>
       </p:sp>
@@ -3602,7 +3451,7 @@
             <a:spLocks noGrp="1" noChangeArrowheads="1"/>
             <a:extLst>
               <a:ext uri="smNativeData">
-                <pr:smNativeData xmlns:pr="smNativeData" xmlns="smNativeData" val="SMDATA_16_xzE7ZxMAAAAlAAAAZAAAAA0AAAAAkAAAAEgAAACQAAAASAAAAAAAAAABAAAAAAAAAAEAAABQAAAAAAAAAAAA4D8AAAAAAADgPwAAAAAAAOA/AAAAAAAA4D8AAAAAAADgPwAAAAAAAOA/AAAAAAAA4D8AAAAAAADgPwAAAAAAAOA/AAAAAAAA4D8CAAAAjAAAAAAAAAAAAAAARHLEDP///wgAAAAAAAAAAAAAAAAAAAAAAAAAAAAAAAAAAAAAZAAAAAEAAABAAAAAAAAAAAAAAAAAAAAAAAAAAAAAAAAAAAAAAAAAAAAAAAAAAAAAAAAAAAAAAAAAAAAAAAAAAAAAAAAAAAAAAAAAAAAAAAAAAAAAAAAAAAAAAAAAAAAAFAAAADwAAAAAAAAAAAAAAAAAAAkUAAAAAQAAABQAAAAUAAAAFAAAAAEAAAAAAAAAZAAAAGQAAAAAAAAAZAAAAGQAAAAVAAAAYAAAAAAAAAAAAAAADwAAACADAAAAAAAAAAAAAAEAAACgMgAAVgcAAKr4//8BAAAAf39/AAEAAABkAAAAAAAAABQAAABAHwAAAAAAACYAAAAAAAAAwOD//wAAAAAmAAAAZAAAABYAAABMAAAAAAAAAAAAAAAEAAAAAAAAAAEAAADn5uYKAAAAACgAAAAoAAAAZAAAAGQAAAAAAAAAzMzMAAAAAABQAAAAUAAAAGQAAABkAAAAAAAAABcAAAAUAAAAAAAAAAAAAAD/fwAA/38AAAAAAAAJAAAABAAAAAAAAAAeAAAAaAAAAAAAAAAAAAAAAAAAAAAAAAAAAAAAECcAABAnAAAAAAAAAAAAAAAAAAAAAAAAAAAAAAAAAAAAAAAAAAAAABQAAAAAAAAAwMD/AAAAAABkAAAAMgAAAAAAAABkAAAAAAAAAH9/fwAKAAAAIgAAABgAAAAAAAAAAAAAAAAAAAAAAAAAAAAAAAAAAAAkAAAAJAAAAAAAAAAHAAAAAAAAAAAAAAAAAAAAAAAAAAAAAAAAAAAAf39/ACUAAABYAAAAAAAAAAAAAAAAAAAAAAAAAAAAAAAAAAAAAAAAAAAAAAAAAAAAAAAAAAAAAAA/AAAAAAAAAKCGAQAAAAAAAAAAAAAAAAAMAAAAAQAAAAAAAAAAAAAAAAAAAB8AAABUAAAAAAAABQAAAAEAAAAAAAAAAAAAAAAAAAAAAAAAAAAAAAAAAAAAAAAAAAAAAAJ/f38AAAAAA8zMzADAwP8Af39/AAAAAAAAAAAAAAAAAAAAAAAAAAAAIQAAABgAAAAUAAAA+DQAABonAADYRQAAWSkAABAAAAAmAAAACAAAAAAAAAAAAAAAMAAAABQAAAAAAAAAAAD//wAAAQAAAP//AAABAA=="/>
+                <pr:smNativeData xmlns:mc="http://schemas.openxmlformats.org/markup-compatibility/2006" xmlns:p14="http://schemas.microsoft.com/office/powerpoint/2010/main" xmlns:p15="http://schemas.microsoft.com/office/powerpoint/2012/main" xmlns:pr="smNativeData" xmlns="smNativeData" val="SMDATA_16_xzE7ZxMAAAAlAAAAZAAAAA0AAAAAkAAAAEgAAACQAAAASAAAAAAAAAABAAAAAAAAAAEAAABQAAAAAAAAAAAA4D8AAAAAAADgPwAAAAAAAOA/AAAAAAAA4D8AAAAAAADgPwAAAAAAAOA/AAAAAAAA4D8AAAAAAADgPwAAAAAAAOA/AAAAAAAA4D8CAAAAjAAAAAAAAAAAAAAARHLEDP///wgAAAAAAAAAAAAAAAAAAAAAAAAAAAAAAAAAAAAAZAAAAAEAAABAAAAAAAAAAAAAAAAAAAAAAAAAAAAAAAAAAAAAAAAAAAAAAAAAAAAAAAAAAAAAAAAAAAAAAAAAAAAAAAAAAAAAAAAAAAAAAAAAAAAAAAAAAAAAAAAAAAAAFAAAADwAAAAAAAAAAAAAAAAAAAkUAAAAAQAAABQAAAAUAAAAFAAAAAEAAAAAAAAAZAAAAGQAAAAAAAAAZAAAAGQAAAAVAAAAYAAAAAAAAAAAAAAADwAAACADAAAAAAAAAAAAAAEAAACgMgAAVgcAAKr4//8BAAAAf39/AAEAAABkAAAAAAAAABQAAABAHwAAAAAAACYAAAAAAAAAwOD//wAAAAAmAAAAZAAAABYAAABMAAAAAAAAAAAAAAAEAAAAAAAAAAEAAADn5uYKAAAAACgAAAAoAAAAZAAAAGQAAAAAAAAAzMzMAAAAAABQAAAAUAAAAGQAAABkAAAAAAAAABcAAAAUAAAAAAAAAAAAAAD/fwAA/38AAAAAAAAJAAAABAAAAAAAAAAeAAAAaAAAAAAAAAAAAAAAAAAAAAAAAAAAAAAAECcAABAnAAAAAAAAAAAAAAAAAAAAAAAAAAAAAAAAAAAAAAAAAAAAABQAAAAAAAAAwMD/AAAAAABkAAAAMgAAAAAAAABkAAAAAAAAAH9/fwAKAAAAIgAAABgAAAAAAAAAAAAAAAAAAAAAAAAAAAAAAAAAAAAkAAAAJAAAAAAAAAAHAAAAAAAAAAAAAAAAAAAAAAAAAAAAAAAAAAAAf39/ACUAAABYAAAAAAAAAAAAAAAAAAAAAAAAAAAAAAAAAAAAAAAAAAAAAAAAAAAAAAAAAAAAAAA/AAAAAAAAAKCGAQAAAAAAAAAAAAAAAAAMAAAAAQAAAAAAAAAAAAAAAAAAAB8AAABUAAAAAAAABQAAAAEAAAAAAAAAAAAAAAAAAAAAAAAAAAAAAAAAAAAAAAAAAAAAAAJ/f38AAAAAA8zMzADAwP8Af39/AAAAAAAAAAAAAAAAAAAAAAAAAAAAIQAAABgAAAAUAAAA+DQAABonAADYRQAAWSkAABAAAAAmAAAACAAAAAAAAAAAAAAAMAAAABQAAAAAAAAAAAD//wAAAQAAAP//AAABAA=="/>
               </a:ext>
             </a:extLst>
           </p:cNvSpPr>
@@ -3619,8 +3468,9 @@
               <a:defRPr lang="ru-ru"/>
             </a:pPr>
             <a:fld id="{3BC58295-DBD6-9074-987D-2D21CC336E78}" type="slidenum">
-              <a:t/>
+              <a:t>‹#›</a:t>
             </a:fld>
+            <a:endParaRPr/>
           </a:p>
         </p:txBody>
       </p:sp>
@@ -3634,7 +3484,7 @@
 </file>
 
 <file path=ppt/slideLayouts/slideLayout8.xml><?xml version="1.0" encoding="utf-8"?>
-<p:sldLayout xmlns:p="http://schemas.openxmlformats.org/presentationml/2006/main" xmlns:mc="http://schemas.openxmlformats.org/markup-compatibility/2006" xmlns:p14="http://schemas.microsoft.com/office/powerpoint/2010/main" xmlns:p15="http://schemas.microsoft.com/office/powerpoint/2012/main" xmlns:r="http://schemas.openxmlformats.org/officeDocument/2006/relationships" xmlns:a="http://schemas.openxmlformats.org/drawingml/2006/main" type="objTx" preserve="1">
+<p:sldLayout xmlns:a="http://schemas.openxmlformats.org/drawingml/2006/main" xmlns:r="http://schemas.openxmlformats.org/officeDocument/2006/relationships" xmlns:p="http://schemas.openxmlformats.org/presentationml/2006/main" type="objTx" preserve="1">
   <p:cSld name="Объект с подписью">
     <p:spTree>
       <p:nvGrpSpPr>
@@ -3657,7 +3507,7 @@
             <a:spLocks noGrp="1" noChangeArrowheads="1"/>
             <a:extLst>
               <a:ext uri="smNativeData">
-                <pr:smNativeData xmlns:pr="smNativeData" xmlns="smNativeData" val="SMDATA_16_xzE7ZxMAAAAlAAAAZAAAAA0AAAAAkAAAAEgAAACQAAAASAAAAAAAAAACAAAAAAAAAAEAAABQAAAAAAAAAAAA4D8AAAAAAADgPwAAAAAAAOA/AAAAAAAA4D8AAAAAAADgPwAAAAAAAOA/AAAAAAAA4D8AAAAAAADgPwAAAAAAAOA/AAAAAAAA4D8CAAAAjAAAAAAAAAAAAAAARHLEDP///wgAAAAAAAAAAAAAAAAAAAAAAAAAAAAAAAAAAAAAZAAAAAEAAABAAAAAAAAAAAAAAAAAAAAAAAAAAAAAAAAAAAAAAAAAAAAAAAAAAAAAAAAAAAAAAAAAAAAAAAAAAAAAAAAAAAAAAAAAAAAAAAAAAAAAAAAAAAAAAAAAAAAAFAAAADwAAAAAAAAAAAAAAAAAAAkUAAAAAQAAABQAAAAUAAAAFAAAAAEAAAAAAAAAZAAAAGQAAAAAAAAAZAAAAGQAAAAVAAAAYAAAAAAAAAAAAAAADwAAACADAAAAAAAAAAAAAAEAAACgMgAAVgcAAKr4//8BAAAAf39/AAEAAABkAAAAAAAAABQAAABAHwAAAAAAACYAAAAAAAAAwOD//wAAAAAmAAAAZAAAABYAAABMAAAAAAAAAAAAAAAEAAAAAAAAAAEAAADn5uYKAAAAACgAAAAoAAAAZAAAAGQAAAAAAAAAzMzMAAAAAABQAAAAUAAAAGQAAABkAAAAAAAAABcAAAAUAAAAAAAAAAAAAAD/fwAA/38AAAAAAAAJAAAABAAAAAAAAAAeAAAAaAAAAAAAAAAAAAAAAAAAAAAAAAAAAAAAECcAABAnAAAAAAAAAAAAAAAAAAAAAAAAAAAAAAAAAAAAAAAAAAAAABQAAAAAAAAAwMD/AAAAAABkAAAAMgAAAAAAAABkAAAAAAAAAH9/fwAKAAAAIgAAABgAAAAAAAAAAAAAAAAAAAAAAAAAAAAAAAAAAAAkAAAAJAAAAAAAAAAHAAAAAAAAAAAAAAAAAAAAAAAAAAAAAAAAAAAAf39/ACUAAABYAAAAAAAAAAAAAAAAAAAAAAAAAAAAAAAAAAAAAAAAAAAAAAAAAAAAAAAAAAAAAAA/AAAAAAAAAKCGAQAAAAAAAAAAAAAAAAAMAAAAAQAAAAAAAAAAAAAAAAAAAB8AAABUAAAAAAAABQAAAAEAAAAAAAAAAAAAAAAAAAAAAAAAAAAAAAAAAAAAAAAAAAAAAAJ/f38AAAAAA8zMzADAwP8Af39/AAAAAAAAAAAAAAAAAAAAAAAAAAAAIQAAABgAAAAUAAAAKwUAANACAABbHQAAqAwAABAAAAAmAAAACAAAAIGAAAAAAAAAMAAAABQAAAAAAAAAAAD//wAAAQAAAP//AAABAA=="/>
+                <pr:smNativeData xmlns:mc="http://schemas.openxmlformats.org/markup-compatibility/2006" xmlns:p14="http://schemas.microsoft.com/office/powerpoint/2010/main" xmlns:p15="http://schemas.microsoft.com/office/powerpoint/2012/main" xmlns:pr="smNativeData" xmlns="smNativeData" val="SMDATA_16_xzE7ZxMAAAAlAAAAZAAAAA0AAAAAkAAAAEgAAACQAAAASAAAAAAAAAACAAAAAAAAAAEAAABQAAAAAAAAAAAA4D8AAAAAAADgPwAAAAAAAOA/AAAAAAAA4D8AAAAAAADgPwAAAAAAAOA/AAAAAAAA4D8AAAAAAADgPwAAAAAAAOA/AAAAAAAA4D8CAAAAjAAAAAAAAAAAAAAARHLEDP///wgAAAAAAAAAAAAAAAAAAAAAAAAAAAAAAAAAAAAAZAAAAAEAAABAAAAAAAAAAAAAAAAAAAAAAAAAAAAAAAAAAAAAAAAAAAAAAAAAAAAAAAAAAAAAAAAAAAAAAAAAAAAAAAAAAAAAAAAAAAAAAAAAAAAAAAAAAAAAAAAAAAAAFAAAADwAAAAAAAAAAAAAAAAAAAkUAAAAAQAAABQAAAAUAAAAFAAAAAEAAAAAAAAAZAAAAGQAAAAAAAAAZAAAAGQAAAAVAAAAYAAAAAAAAAAAAAAADwAAACADAAAAAAAAAAAAAAEAAACgMgAAVgcAAKr4//8BAAAAf39/AAEAAABkAAAAAAAAABQAAABAHwAAAAAAACYAAAAAAAAAwOD//wAAAAAmAAAAZAAAABYAAABMAAAAAAAAAAAAAAAEAAAAAAAAAAEAAADn5uYKAAAAACgAAAAoAAAAZAAAAGQAAAAAAAAAzMzMAAAAAABQAAAAUAAAAGQAAABkAAAAAAAAABcAAAAUAAAAAAAAAAAAAAD/fwAA/38AAAAAAAAJAAAABAAAAAAAAAAeAAAAaAAAAAAAAAAAAAAAAAAAAAAAAAAAAAAAECcAABAnAAAAAAAAAAAAAAAAAAAAAAAAAAAAAAAAAAAAAAAAAAAAABQAAAAAAAAAwMD/AAAAAABkAAAAMgAAAAAAAABkAAAAAAAAAH9/fwAKAAAAIgAAABgAAAAAAAAAAAAAAAAAAAAAAAAAAAAAAAAAAAAkAAAAJAAAAAAAAAAHAAAAAAAAAAAAAAAAAAAAAAAAAAAAAAAAAAAAf39/ACUAAABYAAAAAAAAAAAAAAAAAAAAAAAAAAAAAAAAAAAAAAAAAAAAAAAAAAAAAAAAAAAAAAA/AAAAAAAAAKCGAQAAAAAAAAAAAAAAAAAMAAAAAQAAAAAAAAAAAAAAAAAAAB8AAABUAAAAAAAABQAAAAEAAAAAAAAAAAAAAAAAAAAAAAAAAAAAAAAAAAAAAAAAAAAAAAJ/f38AAAAAA8zMzADAwP8Af39/AAAAAAAAAAAAAAAAAAAAAAAAAAAAIQAAABgAAAAUAAAAKwUAANACAABbHQAAqAwAABAAAAAmAAAACAAAAIGAAAAAAAAAMAAAABQAAAAAAAAAAAD//wAAAQAAAP//AAABAA=="/>
               </a:ext>
             </a:extLst>
           </p:cNvSpPr>
@@ -3723,7 +3573,7 @@
             <a:spLocks noGrp="1" noChangeArrowheads="1"/>
             <a:extLst>
               <a:ext uri="smNativeData">
-                <pr:smNativeData xmlns:pr="smNativeData" xmlns="smNativeData" val="SMDATA_16_xzE7ZxMAAAAlAAAAZAAAAA0AAAAAkAAAAEgAAACQAAAASAAAAAAAAAAAAAAAAAAAAAEAAABQAAAAAAAAAAAA4D8AAAAAAADgPwAAAAAAAOA/AAAAAAAA4D8AAAAAAADgPwAAAAAAAOA/AAAAAAAA4D8AAAAAAADgPwAAAAAAAOA/AAAAAAAA4D8CAAAAjAAAAAAAAAAAAAAARHLEDP///wgAAAAAAAAAAAAAAAAAAAAAAAAAAAAAAAAAAAAAZAAAAAEAAABAAAAAAAAAAAAAAAAAAAAAAAAAAAAAAAAAAAAAAAAAAAAAAAAAAAAAAAAAAAAAAAAAAAAAAAAAAAAAAAAAAAAAAAAAAAAAAAAAAAAAAAAAAAAAAAAAAAAAFAAAADwAAAAAAAAAAAAAAAAAAAkUAAAAAQAAABQAAAAUAAAAFAAAAAEAAAAAAAAAZAAAAGQAAAAAAAAAZAAAAGQAAAAVAAAAYAAAAAAAAAAAAAAADwAAACADAAAAAAAAAAAAAAEAAACgMgAAVgcAAKr4//8BAAAAf39/AAEAAABkAAAAAAAAABQAAABAHwAAAAAAACYAAAAAAAAAwOD//wAAAAAmAAAAZAAAABYAAABMAAAAAAAAAAAAAAAEAAAAAAAAAAEAAADn5uYKAAAAACgAAAAoAAAAZAAAAGQAAAAAAAAAzMzMAAAAAABQAAAAUAAAAGQAAABkAAAAAAAAABcAAAAUAAAAAAAAAAAAAAD/fwAA/38AAAAAAAAJAAAABAAAAAAAAAAeAAAAaAAAAAAAAAAAAAAAAAAAAAAAAAAAAAAAECcAABAnAAAAAAAAAAAAAAAAAAAAAAAAAAAAAAAAAAAAAAAAAAAAABQAAAAAAAAAwMD/AAAAAABkAAAAMgAAAAAAAABkAAAAAAAAAH9/fwAKAAAAIgAAABgAAAAAAAAAAAAAAAAAAAAAAAAAAAAAAAAAAAAkAAAAJAAAAAAAAAAHAAAAAAAAAAAAAAAAAAAAAAAAAAAAAAAAAAAAf39/ACUAAABYAAAAAAAAAAAAAAAAAAAAAAAAAAAAAAAAAAAAAAAAAAAAAAAAAAAAAAAAAAAAAAA/AAAAAAAAAKCGAQAAAAAAAAAAAAAAAAAMAAAAAQAAAAAAAAAAAAAAAAAAAB8AAABUAAAAAAAABQAAAAEAAAAAAAAAAAAAAAAAAAAAAAAAAAAAAAAAAAAAAAAAAAAAAAJ/f38AAAAAA8zMzADAwP8Af39/AAAAAAAAAAAAAAAAAAAAAAAAAAAAIQAAABgAAAAUAAAA4x8AABMGAADbRQAADiQAABAAAAAmAAAACAAAAAGAAAAAAAAAMAAAABQAAAAAAAAAAAD//wAAAQAAAP//AAABAA=="/>
+                <pr:smNativeData xmlns:mc="http://schemas.openxmlformats.org/markup-compatibility/2006" xmlns:p14="http://schemas.microsoft.com/office/powerpoint/2010/main" xmlns:p15="http://schemas.microsoft.com/office/powerpoint/2012/main" xmlns:pr="smNativeData" xmlns="smNativeData" val="SMDATA_16_xzE7ZxMAAAAlAAAAZAAAAA0AAAAAkAAAAEgAAACQAAAASAAAAAAAAAAAAAAAAAAAAAEAAABQAAAAAAAAAAAA4D8AAAAAAADgPwAAAAAAAOA/AAAAAAAA4D8AAAAAAADgPwAAAAAAAOA/AAAAAAAA4D8AAAAAAADgPwAAAAAAAOA/AAAAAAAA4D8CAAAAjAAAAAAAAAAAAAAARHLEDP///wgAAAAAAAAAAAAAAAAAAAAAAAAAAAAAAAAAAAAAZAAAAAEAAABAAAAAAAAAAAAAAAAAAAAAAAAAAAAAAAAAAAAAAAAAAAAAAAAAAAAAAAAAAAAAAAAAAAAAAAAAAAAAAAAAAAAAAAAAAAAAAAAAAAAAAAAAAAAAAAAAAAAAFAAAADwAAAAAAAAAAAAAAAAAAAkUAAAAAQAAABQAAAAUAAAAFAAAAAEAAAAAAAAAZAAAAGQAAAAAAAAAZAAAAGQAAAAVAAAAYAAAAAAAAAAAAAAADwAAACADAAAAAAAAAAAAAAEAAACgMgAAVgcAAKr4//8BAAAAf39/AAEAAABkAAAAAAAAABQAAABAHwAAAAAAACYAAAAAAAAAwOD//wAAAAAmAAAAZAAAABYAAABMAAAAAAAAAAAAAAAEAAAAAAAAAAEAAADn5uYKAAAAACgAAAAoAAAAZAAAAGQAAAAAAAAAzMzMAAAAAABQAAAAUAAAAGQAAABkAAAAAAAAABcAAAAUAAAAAAAAAAAAAAD/fwAA/38AAAAAAAAJAAAABAAAAAAAAAAeAAAAaAAAAAAAAAAAAAAAAAAAAAAAAAAAAAAAECcAABAnAAAAAAAAAAAAAAAAAAAAAAAAAAAAAAAAAAAAAAAAAAAAABQAAAAAAAAAwMD/AAAAAABkAAAAMgAAAAAAAABkAAAAAAAAAH9/fwAKAAAAIgAAABgAAAAAAAAAAAAAAAAAAAAAAAAAAAAAAAAAAAAkAAAAJAAAAAAAAAAHAAAAAAAAAAAAAAAAAAAAAAAAAAAAAAAAAAAAf39/ACUAAABYAAAAAAAAAAAAAAAAAAAAAAAAAAAAAAAAAAAAAAAAAAAAAAAAAAAAAAAAAAAAAAA/AAAAAAAAAKCGAQAAAAAAAAAAAAAAAAAMAAAAAQAAAAAAAAAAAAAAAAAAAB8AAABUAAAAAAAABQAAAAEAAAAAAAAAAAAAAAAAAAAAAAAAAAAAAAAAAAAAAAAAAAAAAAJ/f38AAAAAA8zMzADAwP8Af39/AAAAAAAAAAAAAAAAAAAAAAAAAAAAIQAAABgAAAAUAAAA4x8AABMGAADbRQAADiQAABAAAAAmAAAACAAAAAGAAAAAAAAAMAAAABQAAAAAAAAAAAD//wAAAQAAAP//AAABAA=="/>
               </a:ext>
             </a:extLst>
           </p:cNvSpPr>
@@ -3817,7 +3667,7 @@
             <a:spLocks noGrp="1" noChangeArrowheads="1"/>
             <a:extLst>
               <a:ext uri="smNativeData">
-                <pr:smNativeData xmlns:pr="smNativeData" xmlns="smNativeData" val="SMDATA_16_xzE7ZxMAAAAlAAAAZAAAAA0AAAAAkAAAAEgAAACQAAAASAAAAAAAAAAAAAAAAAAAAAEAAABQAAAAAAAAAAAA4D8AAAAAAADgPwAAAAAAAOA/AAAAAAAA4D8AAAAAAADgPwAAAAAAAOA/AAAAAAAA4D8AAAAAAADgPwAAAAAAAOA/AAAAAAAA4D8CAAAAjAAAAAAAAAAAAAAARHLEDP///wgAAAAAAAAAAAAAAAAAAAAAAAAAAAAAAAAAAAAAZAAAAAEAAABAAAAAAAAAAAAAAAAAAAAAAAAAAAAAAAAAAAAAAAAAAAAAAAAAAAAAAAAAAAAAAAAAAAAAAAAAAAAAAAAAAAAAAAAAAAAAAAAAAAAAAAAAAAAAAAAAAAAAFAAAADwAAAAAAAAAAAAAAAAAAAkUAAAAAQAAABQAAAAUAAAAFAAAAAEAAAAAAAAAZAAAAGQAAAAAAAAAZAAAAGQAAAAVAAAAYAAAAAAAAAAAAAAADwAAACADAAAAAAAAAAAAAAEAAACgMgAAVgcAAKr4//8BAAAAf39/AAEAAABkAAAAAAAAABQAAABAHwAAAAAAACYAAAAAAAAAwOD//wAAAAAmAAAAZAAAABYAAABMAAAAAAAAAAAAAAAEAAAAAAAAAAEAAADn5uYKAAAAACgAAAAoAAAAZAAAAGQAAAAAAAAAzMzMAAAAAABQAAAAUAAAAGQAAABkAAAAAAAAABcAAAAUAAAAAAAAAAAAAAD/fwAA/38AAAAAAAAJAAAABAAAAAAAAAAeAAAAaAAAAAAAAAAAAAAAAAAAAAAAAAAAAAAAECcAABAnAAAAAAAAAAAAAAAAAAAAAAAAAAAAAAAAAAAAAAAAAAAAABQAAAAAAAAAwMD/AAAAAABkAAAAMgAAAAAAAABkAAAAAAAAAH9/fwAKAAAAIgAAABgAAAAAAAAAAAAAAAAAAAAAAAAAAAAAAAAAAAAkAAAAJAAAAAAAAAAHAAAAAAAAAAAAAAAAAAAAAAAAAAAAAAAAAAAAf39/ACUAAABYAAAAAAAAAAAAAAAAAAAAAAAAAAAAAAAAAAAAAAAAAAAAAAAAAAAAAAAAAAAAAAA/AAAAAAAAAKCGAQAAAAAAAAAAAAAAAAAMAAAAAQAAAAAAAAAAAAAAAAAAAB8AAABUAAAAAAAABQAAAAEAAAAAAAAAAAAAAAAAAAAAAAAAAAAAAAAAAAAAAAAAAAAAAAJ/f38AAAAAA8zMzADAwP8Af39/AAAAAAAAAAAAAAAAAAAAAAAAAAAAIQAAABgAAAAUAAAAKwUAAKgMAABbHQAAGyQAABAAAAAmAAAACAAAAAGAAAAAAAAAMAAAABQAAAAAAAAAAAD//wAAAQAAAP//AAABAA=="/>
+                <pr:smNativeData xmlns:mc="http://schemas.openxmlformats.org/markup-compatibility/2006" xmlns:p14="http://schemas.microsoft.com/office/powerpoint/2010/main" xmlns:p15="http://schemas.microsoft.com/office/powerpoint/2012/main" xmlns:pr="smNativeData" xmlns="smNativeData" val="SMDATA_16_xzE7ZxMAAAAlAAAAZAAAAA0AAAAAkAAAAEgAAACQAAAASAAAAAAAAAAAAAAAAAAAAAEAAABQAAAAAAAAAAAA4D8AAAAAAADgPwAAAAAAAOA/AAAAAAAA4D8AAAAAAADgPwAAAAAAAOA/AAAAAAAA4D8AAAAAAADgPwAAAAAAAOA/AAAAAAAA4D8CAAAAjAAAAAAAAAAAAAAARHLEDP///wgAAAAAAAAAAAAAAAAAAAAAAAAAAAAAAAAAAAAAZAAAAAEAAABAAAAAAAAAAAAAAAAAAAAAAAAAAAAAAAAAAAAAAAAAAAAAAAAAAAAAAAAAAAAAAAAAAAAAAAAAAAAAAAAAAAAAAAAAAAAAAAAAAAAAAAAAAAAAAAAAAAAAFAAAADwAAAAAAAAAAAAAAAAAAAkUAAAAAQAAABQAAAAUAAAAFAAAAAEAAAAAAAAAZAAAAGQAAAAAAAAAZAAAAGQAAAAVAAAAYAAAAAAAAAAAAAAADwAAACADAAAAAAAAAAAAAAEAAACgMgAAVgcAAKr4//8BAAAAf39/AAEAAABkAAAAAAAAABQAAABAHwAAAAAAACYAAAAAAAAAwOD//wAAAAAmAAAAZAAAABYAAABMAAAAAAAAAAAAAAAEAAAAAAAAAAEAAADn5uYKAAAAACgAAAAoAAAAZAAAAGQAAAAAAAAAzMzMAAAAAABQAAAAUAAAAGQAAABkAAAAAAAAABcAAAAUAAAAAAAAAAAAAAD/fwAA/38AAAAAAAAJAAAABAAAAAAAAAAeAAAAaAAAAAAAAAAAAAAAAAAAAAAAAAAAAAAAECcAABAnAAAAAAAAAAAAAAAAAAAAAAAAAAAAAAAAAAAAAAAAAAAAABQAAAAAAAAAwMD/AAAAAABkAAAAMgAAAAAAAABkAAAAAAAAAH9/fwAKAAAAIgAAABgAAAAAAAAAAAAAAAAAAAAAAAAAAAAAAAAAAAAkAAAAJAAAAAAAAAAHAAAAAAAAAAAAAAAAAAAAAAAAAAAAAAAAAAAAf39/ACUAAABYAAAAAAAAAAAAAAAAAAAAAAAAAAAAAAAAAAAAAAAAAAAAAAAAAAAAAAAAAAAAAAA/AAAAAAAAAKCGAQAAAAAAAAAAAAAAAAAMAAAAAQAAAAAAAAAAAAAAAAAAAB8AAABUAAAAAAAABQAAAAEAAAAAAAAAAAAAAAAAAAAAAAAAAAAAAAAAAAAAAAAAAAAAAAJ/f38AAAAAA8zMzADAwP8Af39/AAAAAAAAAAAAAAAAAAAAAAAAAAAAIQAAABgAAAAUAAAAKwUAAKgMAABbHQAAGyQAABAAAAAmAAAACAAAAAGAAAAAAAAAMAAAABQAAAAAAAAAAAD//wAAAQAAAP//AAABAA=="/>
               </a:ext>
             </a:extLst>
           </p:cNvSpPr>
@@ -3888,7 +3738,7 @@
             <a:spLocks noGrp="1" noChangeArrowheads="1"/>
             <a:extLst>
               <a:ext uri="smNativeData">
-                <pr:smNativeData xmlns:pr="smNativeData" xmlns="smNativeData" val="SMDATA_16_xzE7ZxMAAAAlAAAAZAAAAA0AAAAAkAAAAEgAAACQAAAASAAAAAAAAAABAAAAAAAAAAEAAABQAAAAAAAAAAAA4D8AAAAAAADgPwAAAAAAAOA/AAAAAAAA4D8AAAAAAADgPwAAAAAAAOA/AAAAAAAA4D8AAAAAAADgPwAAAAAAAOA/AAAAAAAA4D8CAAAAjAAAAAAAAAAAAAAARHLEDP///wgAAAAAAAAAAAAAAAAAAAAAAAAAAAAAAAAAAAAAZAAAAAEAAABAAAAAAAAAAAAAAAAAAAAAAAAAAAAAAAAAAAAAAAAAAAAAAAAAAAAAAAAAAAAAAAAAAAAAAAAAAAAAAAAAAAAAAAAAAAAAAAAAAAAAAAAAAAAAAAAAAAAAFAAAADwAAAAAAAAAAAAAAAAAAAkUAAAAAQAAABQAAAAUAAAAFAAAAAEAAAAAAAAAZAAAAGQAAAAAAAAAZAAAAGQAAAAVAAAAYAAAAAAAAAAAAAAADwAAACADAAAAAAAAAAAAAAEAAACgMgAAVgcAAKr4//8BAAAAf39/AAEAAABkAAAAAAAAABQAAABAHwAAAAAAACYAAAAAAAAAwOD//wAAAAAmAAAAZAAAABYAAABMAAAAAAAAAAAAAAAEAAAAAAAAAAEAAADn5uYKAAAAACgAAAAoAAAAZAAAAGQAAAAAAAAAzMzMAAAAAABQAAAAUAAAAGQAAABkAAAAAAAAABcAAAAUAAAAAAAAAAAAAAD/fwAA/38AAAAAAAAJAAAABAAAAAAAAAAeAAAAaAAAAAAAAAAAAAAAAAAAAAAAAAAAAAAAECcAABAnAAAAAAAAAAAAAAAAAAAAAAAAAAAAAAAAAAAAAAAAAAAAABQAAAAAAAAAwMD/AAAAAABkAAAAMgAAAAAAAABkAAAAAAAAAH9/fwAKAAAAIgAAABgAAAAAAAAAAAAAAAAAAAAAAAAAAAAAAAAAAAAkAAAAJAAAAAAAAAAHAAAAAAAAAAAAAAAAAAAAAAAAAAAAAAAAAAAAf39/ACUAAABYAAAAAAAAAAAAAAAAAAAAAAAAAAAAAAAAAAAAAAAAAAAAAAAAAAAAAAAAAAAAAAA/AAAAAAAAAKCGAQAAAAAAAAAAAAAAAAAMAAAAAQAAAAAAAAAAAAAAAAAAAB8AAABUAAAAAAAABQAAAAEAAAAAAAAAAAAAAAAAAAAAAAAAAAAAAAAAAAAAAAAAAAAAAAJ/f38AAAAAA8zMzADAwP8Af39/AAAAAAAAAAAAAAAAAAAAAAAAAAAAIQAAABgAAAAUAAAAKAUAABonAAAIFgAAWSkAABAAAAAmAAAACAAAAAAAAAAAAAAAMAAAABQAAAAAAAAAAAD//wAAAQAAAP//AAABAA=="/>
+                <pr:smNativeData xmlns:mc="http://schemas.openxmlformats.org/markup-compatibility/2006" xmlns:p14="http://schemas.microsoft.com/office/powerpoint/2010/main" xmlns:p15="http://schemas.microsoft.com/office/powerpoint/2012/main" xmlns:pr="smNativeData" xmlns="smNativeData" val="SMDATA_16_xzE7ZxMAAAAlAAAAZAAAAA0AAAAAkAAAAEgAAACQAAAASAAAAAAAAAABAAAAAAAAAAEAAABQAAAAAAAAAAAA4D8AAAAAAADgPwAAAAAAAOA/AAAAAAAA4D8AAAAAAADgPwAAAAAAAOA/AAAAAAAA4D8AAAAAAADgPwAAAAAAAOA/AAAAAAAA4D8CAAAAjAAAAAAAAAAAAAAARHLEDP///wgAAAAAAAAAAAAAAAAAAAAAAAAAAAAAAAAAAAAAZAAAAAEAAABAAAAAAAAAAAAAAAAAAAAAAAAAAAAAAAAAAAAAAAAAAAAAAAAAAAAAAAAAAAAAAAAAAAAAAAAAAAAAAAAAAAAAAAAAAAAAAAAAAAAAAAAAAAAAAAAAAAAAFAAAADwAAAAAAAAAAAAAAAAAAAkUAAAAAQAAABQAAAAUAAAAFAAAAAEAAAAAAAAAZAAAAGQAAAAAAAAAZAAAAGQAAAAVAAAAYAAAAAAAAAAAAAAADwAAACADAAAAAAAAAAAAAAEAAACgMgAAVgcAAKr4//8BAAAAf39/AAEAAABkAAAAAAAAABQAAABAHwAAAAAAACYAAAAAAAAAwOD//wAAAAAmAAAAZAAAABYAAABMAAAAAAAAAAAAAAAEAAAAAAAAAAEAAADn5uYKAAAAACgAAAAoAAAAZAAAAGQAAAAAAAAAzMzMAAAAAABQAAAAUAAAAGQAAABkAAAAAAAAABcAAAAUAAAAAAAAAAAAAAD/fwAA/38AAAAAAAAJAAAABAAAAAAAAAAeAAAAaAAAAAAAAAAAAAAAAAAAAAAAAAAAAAAAECcAABAnAAAAAAAAAAAAAAAAAAAAAAAAAAAAAAAAAAAAAAAAAAAAABQAAAAAAAAAwMD/AAAAAABkAAAAMgAAAAAAAABkAAAAAAAAAH9/fwAKAAAAIgAAABgAAAAAAAAAAAAAAAAAAAAAAAAAAAAAAAAAAAAkAAAAJAAAAAAAAAAHAAAAAAAAAAAAAAAAAAAAAAAAAAAAAAAAAAAAf39/ACUAAABYAAAAAAAAAAAAAAAAAAAAAAAAAAAAAAAAAAAAAAAAAAAAAAAAAAAAAAAAAAAAAAA/AAAAAAAAAKCGAQAAAAAAAAAAAAAAAAAMAAAAAQAAAAAAAAAAAAAAAAAAAB8AAABUAAAAAAAABQAAAAEAAAAAAAAAAAAAAAAAAAAAAAAAAAAAAAAAAAAAAAAAAAAAAAJ/f38AAAAAA8zMzADAwP8Af39/AAAAAAAAAAAAAAAAAAAAAAAAAAAAIQAAABgAAAAUAAAAKAUAABonAAAIFgAAWSkAABAAAAAmAAAACAAAAAAAAAAAAAAAMAAAABQAAAAAAAAAAAD//wAAAQAAAP//AAABAA=="/>
               </a:ext>
             </a:extLst>
           </p:cNvSpPr>
@@ -3905,8 +3755,9 @@
               <a:defRPr lang="ru-ru"/>
             </a:pPr>
             <a:fld id="{3BC59E94-DAD6-9068-987D-2C3DD0336E79}" type="datetime1">
-              <a:t>18.11.2024</a:t>
+              <a:t>20.11.2024</a:t>
             </a:fld>
+            <a:endParaRPr/>
           </a:p>
         </p:txBody>
       </p:sp>
@@ -3917,7 +3768,7 @@
             <a:spLocks noGrp="1" noChangeArrowheads="1"/>
             <a:extLst>
               <a:ext uri="smNativeData">
-                <pr:smNativeData xmlns:pr="smNativeData" xmlns="smNativeData" val="SMDATA_16_xzE7ZxMAAAAlAAAAZAAAAA0AAAAAkAAAAEgAAACQAAAASAAAAAAAAAABAAAAAAAAAAEAAABQAAAAAAAAAAAA4D8AAAAAAADgPwAAAAAAAOA/AAAAAAAA4D8AAAAAAADgPwAAAAAAAOA/AAAAAAAA4D8AAAAAAADgPwAAAAAAAOA/AAAAAAAA4D8CAAAAjAAAAAAAAAAAAAAARHLEDP///wgAAAAAAAAAAAAAAAAAAAAAAAAAAAAAAAAAAAAAZAAAAAEAAABAAAAAAAAAAAAAAAAAAAAAAAAAAAAAAAAAAAAAAAAAAAAAAAAAAAAAAAAAAAAAAAAAAAAAAAAAAAAAAAAAAAAAAAAAAAAAAAAAAAAAAAAAAAAAAAAAAAAAFAAAADwAAAAAAAAAAAAAAAAAAAkUAAAAAQAAABQAAAAUAAAAFAAAAAEAAAAAAAAAZAAAAGQAAAAAAAAAZAAAAGQAAAAVAAAAYAAAAAAAAAAAAAAADwAAACADAAAAAAAAAAAAAAEAAACgMgAAVgcAAKr4//8BAAAAf39/AAEAAABkAAAAAAAAABQAAABAHwAAAAAAACYAAAAAAAAAwOD//wAAAAAmAAAAZAAAABYAAABMAAAAAAAAAAAAAAAEAAAAAAAAAAEAAADn5uYKAAAAACgAAAAoAAAAZAAAAGQAAAAAAAAAzMzMAAAAAABQAAAAUAAAAGQAAABkAAAAAAAAABcAAAAUAAAAAAAAAAAAAAD/fwAA/38AAAAAAAAJAAAABAAAAAAAAAAeAAAAaAAAAAAAAAAAAAAAAAAAAAAAAAAAAAAAECcAABAnAAAAAAAAAAAAAAAAAAAAAAAAAAAAAAAAAAAAAAAAAAAAABQAAAAAAAAAwMD/AAAAAABkAAAAMgAAAAAAAABkAAAAAAAAAH9/fwAKAAAAIgAAABgAAAAAAAAAAAAAAAAAAAAAAAAAAAAAAAAAAAAkAAAAJAAAAAAAAAAHAAAAAAAAAAAAAAAAAAAAAAAAAAAAAAAAAAAAf39/ACUAAABYAAAAAAAAAAAAAAAAAAAAAAAAAAAAAAAAAAAAAAAAAAAAAAAAAAAAAAAAAAAAAAA/AAAAAAAAAKCGAQAAAAAAAAAAAAAAAAAMAAAAAQAAAAAAAAAAAAAAAAAAAB8AAABUAAAAAAAABQAAAAEAAAAAAAAAAAAAAAAAAAAAAAAAAAAAAAAAAAAAAAAAAAAAAAJ/f38AAAAAA8zMzADAwP8Af39/AAAAAAAAAAAAAAAAAAAAAAAAAAAAIQAAABgAAAAUAAAA2BgAABonAAAoMgAAWSkAABAAAAAmAAAACAAAAAAAAAAAAAAAMAAAABQAAAAAAAAAAAD//wAAAQAAAP//AAABAA=="/>
+                <pr:smNativeData xmlns:mc="http://schemas.openxmlformats.org/markup-compatibility/2006" xmlns:p14="http://schemas.microsoft.com/office/powerpoint/2010/main" xmlns:p15="http://schemas.microsoft.com/office/powerpoint/2012/main" xmlns:pr="smNativeData" xmlns="smNativeData" val="SMDATA_16_xzE7ZxMAAAAlAAAAZAAAAA0AAAAAkAAAAEgAAACQAAAASAAAAAAAAAABAAAAAAAAAAEAAABQAAAAAAAAAAAA4D8AAAAAAADgPwAAAAAAAOA/AAAAAAAA4D8AAAAAAADgPwAAAAAAAOA/AAAAAAAA4D8AAAAAAADgPwAAAAAAAOA/AAAAAAAA4D8CAAAAjAAAAAAAAAAAAAAARHLEDP///wgAAAAAAAAAAAAAAAAAAAAAAAAAAAAAAAAAAAAAZAAAAAEAAABAAAAAAAAAAAAAAAAAAAAAAAAAAAAAAAAAAAAAAAAAAAAAAAAAAAAAAAAAAAAAAAAAAAAAAAAAAAAAAAAAAAAAAAAAAAAAAAAAAAAAAAAAAAAAAAAAAAAAFAAAADwAAAAAAAAAAAAAAAAAAAkUAAAAAQAAABQAAAAUAAAAFAAAAAEAAAAAAAAAZAAAAGQAAAAAAAAAZAAAAGQAAAAVAAAAYAAAAAAAAAAAAAAADwAAACADAAAAAAAAAAAAAAEAAACgMgAAVgcAAKr4//8BAAAAf39/AAEAAABkAAAAAAAAABQAAABAHwAAAAAAACYAAAAAAAAAwOD//wAAAAAmAAAAZAAAABYAAABMAAAAAAAAAAAAAAAEAAAAAAAAAAEAAADn5uYKAAAAACgAAAAoAAAAZAAAAGQAAAAAAAAAzMzMAAAAAABQAAAAUAAAAGQAAABkAAAAAAAAABcAAAAUAAAAAAAAAAAAAAD/fwAA/38AAAAAAAAJAAAABAAAAAAAAAAeAAAAaAAAAAAAAAAAAAAAAAAAAAAAAAAAAAAAECcAABAnAAAAAAAAAAAAAAAAAAAAAAAAAAAAAAAAAAAAAAAAAAAAABQAAAAAAAAAwMD/AAAAAABkAAAAMgAAAAAAAABkAAAAAAAAAH9/fwAKAAAAIgAAABgAAAAAAAAAAAAAAAAAAAAAAAAAAAAAAAAAAAAkAAAAJAAAAAAAAAAHAAAAAAAAAAAAAAAAAAAAAAAAAAAAAAAAAAAAf39/ACUAAABYAAAAAAAAAAAAAAAAAAAAAAAAAAAAAAAAAAAAAAAAAAAAAAAAAAAAAAAAAAAAAAA/AAAAAAAAAKCGAQAAAAAAAAAAAAAAAAAMAAAAAQAAAAAAAAAAAAAAAAAAAB8AAABUAAAAAAAABQAAAAEAAAAAAAAAAAAAAAAAAAAAAAAAAAAAAAAAAAAAAAAAAAAAAAJ/f38AAAAAA8zMzADAwP8Af39/AAAAAAAAAAAAAAAAAAAAAAAAAAAAIQAAABgAAAAUAAAA2BgAABonAAAoMgAAWSkAABAAAAAmAAAACAAAAAAAAAAAAAAAMAAAABQAAAAAAAAAAAD//wAAAQAAAP//AAABAA=="/>
               </a:ext>
             </a:extLst>
           </p:cNvSpPr>
@@ -3933,6 +3784,7 @@
             <a:pPr>
               <a:defRPr lang="ru-ru"/>
             </a:pPr>
+            <a:endParaRPr/>
           </a:p>
         </p:txBody>
       </p:sp>
@@ -3943,7 +3795,7 @@
             <a:spLocks noGrp="1" noChangeArrowheads="1"/>
             <a:extLst>
               <a:ext uri="smNativeData">
-                <pr:smNativeData xmlns:pr="smNativeData" xmlns="smNativeData" val="SMDATA_16_xzE7ZxMAAAAlAAAAZAAAAA0AAAAAkAAAAEgAAACQAAAASAAAAAAAAAABAAAAAAAAAAEAAABQAAAAAAAAAAAA4D8AAAAAAADgPwAAAAAAAOA/AAAAAAAA4D8AAAAAAADgPwAAAAAAAOA/AAAAAAAA4D8AAAAAAADgPwAAAAAAAOA/AAAAAAAA4D8CAAAAjAAAAAAAAAAAAAAARHLEDP///wgAAAAAAAAAAAAAAAAAAAAAAAAAAAAAAAAAAAAAZAAAAAEAAABAAAAAAAAAAAAAAAAAAAAAAAAAAAAAAAAAAAAAAAAAAAAAAAAAAAAAAAAAAAAAAAAAAAAAAAAAAAAAAAAAAAAAAAAAAAAAAAAAAAAAAAAAAAAAAAAAAAAAFAAAADwAAAAAAAAAAAAAAAAAAAkUAAAAAQAAABQAAAAUAAAAFAAAAAEAAAAAAAAAZAAAAGQAAAAAAAAAZAAAAGQAAAAVAAAAYAAAAAAAAAAAAAAADwAAACADAAAAAAAAAAAAAAEAAACgMgAAVgcAAKr4//8BAAAAf39/AAEAAABkAAAAAAAAABQAAABAHwAAAAAAACYAAAAAAAAAwOD//wAAAAAmAAAAZAAAABYAAABMAAAAAAAAAAAAAAAEAAAAAAAAAAEAAADn5uYKAAAAACgAAAAoAAAAZAAAAGQAAAAAAAAAzMzMAAAAAABQAAAAUAAAAGQAAABkAAAAAAAAABcAAAAUAAAAAAAAAAAAAAD/fwAA/38AAAAAAAAJAAAABAAAAAAAAAAeAAAAaAAAAAAAAAAAAAAAAAAAAAAAAAAAAAAAECcAABAnAAAAAAAAAAAAAAAAAAAAAAAAAAAAAAAAAAAAAAAAAAAAABQAAAAAAAAAwMD/AAAAAABkAAAAMgAAAAAAAABkAAAAAAAAAH9/fwAKAAAAIgAAABgAAAAAAAAAAAAAAAAAAAAAAAAAAAAAAAAAAAAkAAAAJAAAAAAAAAAHAAAAAAAAAAAAAAAAAAAAAAAAAAAAAAAAAAAAf39/ACUAAABYAAAAAAAAAAAAAAAAAAAAAAAAAAAAAAAAAAAAAAAAAAAAAAAAAAAAAAAAAAAAAAA/AAAAAAAAAKCGAQAAAAAAAAAAAAAAAAAMAAAAAQAAAAAAAAAAAAAAAAAAAB8AAABUAAAAAAAABQAAAAEAAAAAAAAAAAAAAAAAAAAAAAAAAAAAAAAAAAAAAAAAAAAAAAJ/f38AAAAAA8zMzADAwP8Af39/AAAAAAAAAAAAAAAAAAAAAAAAAAAAIQAAABgAAAAUAAAA+DQAABonAADYRQAAWSkAABAAAAAmAAAACAAAAAAAAAAAAAAAMAAAABQAAAAAAAAAAAD//wAAAQAAAP//AAABAA=="/>
+                <pr:smNativeData xmlns:mc="http://schemas.openxmlformats.org/markup-compatibility/2006" xmlns:p14="http://schemas.microsoft.com/office/powerpoint/2010/main" xmlns:p15="http://schemas.microsoft.com/office/powerpoint/2012/main" xmlns:pr="smNativeData" xmlns="smNativeData" val="SMDATA_16_xzE7ZxMAAAAlAAAAZAAAAA0AAAAAkAAAAEgAAACQAAAASAAAAAAAAAABAAAAAAAAAAEAAABQAAAAAAAAAAAA4D8AAAAAAADgPwAAAAAAAOA/AAAAAAAA4D8AAAAAAADgPwAAAAAAAOA/AAAAAAAA4D8AAAAAAADgPwAAAAAAAOA/AAAAAAAA4D8CAAAAjAAAAAAAAAAAAAAARHLEDP///wgAAAAAAAAAAAAAAAAAAAAAAAAAAAAAAAAAAAAAZAAAAAEAAABAAAAAAAAAAAAAAAAAAAAAAAAAAAAAAAAAAAAAAAAAAAAAAAAAAAAAAAAAAAAAAAAAAAAAAAAAAAAAAAAAAAAAAAAAAAAAAAAAAAAAAAAAAAAAAAAAAAAAFAAAADwAAAAAAAAAAAAAAAAAAAkUAAAAAQAAABQAAAAUAAAAFAAAAAEAAAAAAAAAZAAAAGQAAAAAAAAAZAAAAGQAAAAVAAAAYAAAAAAAAAAAAAAADwAAACADAAAAAAAAAAAAAAEAAACgMgAAVgcAAKr4//8BAAAAf39/AAEAAABkAAAAAAAAABQAAABAHwAAAAAAACYAAAAAAAAAwOD//wAAAAAmAAAAZAAAABYAAABMAAAAAAAAAAAAAAAEAAAAAAAAAAEAAADn5uYKAAAAACgAAAAoAAAAZAAAAGQAAAAAAAAAzMzMAAAAAABQAAAAUAAAAGQAAABkAAAAAAAAABcAAAAUAAAAAAAAAAAAAAD/fwAA/38AAAAAAAAJAAAABAAAAAAAAAAeAAAAaAAAAAAAAAAAAAAAAAAAAAAAAAAAAAAAECcAABAnAAAAAAAAAAAAAAAAAAAAAAAAAAAAAAAAAAAAAAAAAAAAABQAAAAAAAAAwMD/AAAAAABkAAAAMgAAAAAAAABkAAAAAAAAAH9/fwAKAAAAIgAAABgAAAAAAAAAAAAAAAAAAAAAAAAAAAAAAAAAAAAkAAAAJAAAAAAAAAAHAAAAAAAAAAAAAAAAAAAAAAAAAAAAAAAAAAAAf39/ACUAAABYAAAAAAAAAAAAAAAAAAAAAAAAAAAAAAAAAAAAAAAAAAAAAAAAAAAAAAAAAAAAAAA/AAAAAAAAAKCGAQAAAAAAAAAAAAAAAAAMAAAAAQAAAAAAAAAAAAAAAAAAAB8AAABUAAAAAAAABQAAAAEAAAAAAAAAAAAAAAAAAAAAAAAAAAAAAAAAAAAAAAAAAAAAAAJ/f38AAAAAA8zMzADAwP8Af39/AAAAAAAAAAAAAAAAAAAAAAAAAAAAIQAAABgAAAAUAAAA+DQAABonAADYRQAAWSkAABAAAAAmAAAACAAAAAAAAAAAAAAAMAAAABQAAAAAAAAAAAD//wAAAQAAAP//AAABAA=="/>
               </a:ext>
             </a:extLst>
           </p:cNvSpPr>
@@ -3962,6 +3814,7 @@
             <a:fld id="{3BC5BFC9-87D6-9049-987D-711CF1336E24}" type="slidenum">
               <a:t>‹#›</a:t>
             </a:fld>
+            <a:endParaRPr/>
           </a:p>
         </p:txBody>
       </p:sp>
@@ -3975,7 +3828,7 @@
 </file>
 
 <file path=ppt/slideLayouts/slideLayout9.xml><?xml version="1.0" encoding="utf-8"?>
-<p:sldLayout xmlns:p="http://schemas.openxmlformats.org/presentationml/2006/main" xmlns:mc="http://schemas.openxmlformats.org/markup-compatibility/2006" xmlns:p14="http://schemas.microsoft.com/office/powerpoint/2010/main" xmlns:p15="http://schemas.microsoft.com/office/powerpoint/2012/main" xmlns:r="http://schemas.openxmlformats.org/officeDocument/2006/relationships" xmlns:a="http://schemas.openxmlformats.org/drawingml/2006/main" type="picTx" preserve="1">
+<p:sldLayout xmlns:a="http://schemas.openxmlformats.org/drawingml/2006/main" xmlns:r="http://schemas.openxmlformats.org/officeDocument/2006/relationships" xmlns:p="http://schemas.openxmlformats.org/presentationml/2006/main" type="picTx" preserve="1">
   <p:cSld name="Рисунок с подписью">
     <p:spTree>
       <p:nvGrpSpPr>
@@ -3998,7 +3851,7 @@
             <a:spLocks noGrp="1" noChangeArrowheads="1"/>
             <a:extLst>
               <a:ext uri="smNativeData">
-                <pr:smNativeData xmlns:pr="smNativeData" xmlns="smNativeData" val="SMDATA_16_xzE7ZxMAAAAlAAAAZAAAAA0AAAAAkAAAAEgAAACQAAAASAAAAAAAAAACAAAAAAAAAAEAAABQAAAAAAAAAAAA4D8AAAAAAADgPwAAAAAAAOA/AAAAAAAA4D8AAAAAAADgPwAAAAAAAOA/AAAAAAAA4D8AAAAAAADgPwAAAAAAAOA/AAAAAAAA4D8CAAAAjAAAAAAAAAAAAAAARHLEDP///wgAAAAAAAAAAAAAAAAAAAAAAAAAAAAAAAAAAAAAZAAAAAEAAABAAAAAAAAAAAAAAAAAAAAAAAAAAAAAAAAAAAAAAAAAAAAAAAAAAAAAAAAAAAAAAAAAAAAAAAAAAAAAAAAAAAAAAAAAAAAAAAAAAAAAAAAAAAAAAAAAAAAAFAAAADwAAAAAAAAAAAAAAAAAAAkUAAAAAQAAABQAAAAUAAAAFAAAAAEAAAAAAAAAZAAAAGQAAAAAAAAAZAAAAGQAAAAVAAAAYAAAAAAAAAAAAAAADwAAACADAAAAAAAAAAAAAAEAAACgMgAAVgcAAKr4//8BAAAAf39/AAEAAABkAAAAAAAAABQAAABAHwAAAAAAACYAAAAAAAAAwOD//wAAAAAmAAAAZAAAABYAAABMAAAAAAAAAAAAAAAEAAAAAAAAAAEAAADn5uYKAAAAACgAAAAoAAAAZAAAAGQAAAAAAAAAzMzMAAAAAABQAAAAUAAAAGQAAABkAAAAAAAAABcAAAAUAAAAAAAAAAAAAAD/fwAA/38AAAAAAAAJAAAABAAAAAAAAAAeAAAAaAAAAAAAAAAAAAAAAAAAAAAAAAAAAAAAECcAABAnAAAAAAAAAAAAAAAAAAAAAAAAAAAAAAAAAAAAAAAAAAAAABQAAAAAAAAAwMD/AAAAAABkAAAAMgAAAAAAAABkAAAAAAAAAH9/fwAKAAAAIgAAABgAAAAAAAAAAAAAAAAAAAAAAAAAAAAAAAAAAAAkAAAAJAAAAAAAAAAHAAAAAAAAAAAAAAAAAAAAAAAAAAAAAAAAAAAAf39/ACUAAABYAAAAAAAAAAAAAAAAAAAAAAAAAAAAAAAAAAAAAAAAAAAAAAAAAAAAAAAAAAAAAAA/AAAAAAAAAKCGAQAAAAAAAAAAAAAAAAAMAAAAAQAAAAAAAAAAAAAAAAAAAB8AAABUAAAAAAAABQAAAAEAAAAAAAAAAAAAAAAAAAAAAAAAAAAAAAAAAAAAAAAAAAAAAAJ/f38AAAAAA8zMzADAwP8Af39/AAAAAAAAAAAAAAAAAAAAAAAAAAAAIQAAABgAAAAUAAAAKwUAANACAABbHQAAqAwAABAAAAAmAAAACAAAAIGAAAAAAAAAMAAAABQAAAAAAAAAAAD//wAAAQAAAP//AAABAA=="/>
+                <pr:smNativeData xmlns:mc="http://schemas.openxmlformats.org/markup-compatibility/2006" xmlns:p14="http://schemas.microsoft.com/office/powerpoint/2010/main" xmlns:p15="http://schemas.microsoft.com/office/powerpoint/2012/main" xmlns:pr="smNativeData" xmlns="smNativeData" val="SMDATA_16_xzE7ZxMAAAAlAAAAZAAAAA0AAAAAkAAAAEgAAACQAAAASAAAAAAAAAACAAAAAAAAAAEAAABQAAAAAAAAAAAA4D8AAAAAAADgPwAAAAAAAOA/AAAAAAAA4D8AAAAAAADgPwAAAAAAAOA/AAAAAAAA4D8AAAAAAADgPwAAAAAAAOA/AAAAAAAA4D8CAAAAjAAAAAAAAAAAAAAARHLEDP///wgAAAAAAAAAAAAAAAAAAAAAAAAAAAAAAAAAAAAAZAAAAAEAAABAAAAAAAAAAAAAAAAAAAAAAAAAAAAAAAAAAAAAAAAAAAAAAAAAAAAAAAAAAAAAAAAAAAAAAAAAAAAAAAAAAAAAAAAAAAAAAAAAAAAAAAAAAAAAAAAAAAAAFAAAADwAAAAAAAAAAAAAAAAAAAkUAAAAAQAAABQAAAAUAAAAFAAAAAEAAAAAAAAAZAAAAGQAAAAAAAAAZAAAAGQAAAAVAAAAYAAAAAAAAAAAAAAADwAAACADAAAAAAAAAAAAAAEAAACgMgAAVgcAAKr4//8BAAAAf39/AAEAAABkAAAAAAAAABQAAABAHwAAAAAAACYAAAAAAAAAwOD//wAAAAAmAAAAZAAAABYAAABMAAAAAAAAAAAAAAAEAAAAAAAAAAEAAADn5uYKAAAAACgAAAAoAAAAZAAAAGQAAAAAAAAAzMzMAAAAAABQAAAAUAAAAGQAAABkAAAAAAAAABcAAAAUAAAAAAAAAAAAAAD/fwAA/38AAAAAAAAJAAAABAAAAAAAAAAeAAAAaAAAAAAAAAAAAAAAAAAAAAAAAAAAAAAAECcAABAnAAAAAAAAAAAAAAAAAAAAAAAAAAAAAAAAAAAAAAAAAAAAABQAAAAAAAAAwMD/AAAAAABkAAAAMgAAAAAAAABkAAAAAAAAAH9/fwAKAAAAIgAAABgAAAAAAAAAAAAAAAAAAAAAAAAAAAAAAAAAAAAkAAAAJAAAAAAAAAAHAAAAAAAAAAAAAAAAAAAAAAAAAAAAAAAAAAAAf39/ACUAAABYAAAAAAAAAAAAAAAAAAAAAAAAAAAAAAAAAAAAAAAAAAAAAAAAAAAAAAAAAAAAAAA/AAAAAAAAAKCGAQAAAAAAAAAAAAAAAAAMAAAAAQAAAAAAAAAAAAAAAAAAAB8AAABUAAAAAAAABQAAAAEAAAAAAAAAAAAAAAAAAAAAAAAAAAAAAAAAAAAAAAAAAAAAAAJ/f38AAAAAA8zMzADAwP8Af39/AAAAAAAAAAAAAAAAAAAAAAAAAAAAIQAAABgAAAAUAAAAKwUAANACAABbHQAAqAwAABAAAAAmAAAACAAAAIGAAAAAAAAAMAAAABQAAAAAAAAAAAD//wAAAQAAAP//AAABAA=="/>
               </a:ext>
             </a:extLst>
           </p:cNvSpPr>
@@ -4064,7 +3917,7 @@
             <a:spLocks noGrp="1" noChangeArrowheads="1"/>
             <a:extLst>
               <a:ext uri="smNativeData">
-                <pr:smNativeData xmlns:pr="smNativeData" xmlns="smNativeData" val="SMDATA_16_xzE7ZxMAAAAlAAAAZAAAAA0AAAAAkAAAAEgAAACQAAAASAAAAAAAAAAAAAAAAAAAAAEAAABQAAAAAAAAAAAA4D8AAAAAAADgPwAAAAAAAOA/AAAAAAAA4D8AAAAAAADgPwAAAAAAAOA/AAAAAAAA4D8AAAAAAADgPwAAAAAAAOA/AAAAAAAA4D8CAAAAjAAAAAAAAAAAAAAARHLEDP///wgAAAAAAAAAAAAAAAAAAAAAAAAAAAAAAAAAAAAAZAAAAAEAAABAAAAAAAAAAAAAAAAAAAAAAAAAAAAAAAAAAAAAAAAAAAAAAAAAAAAAAAAAAAAAAAAAAAAAAAAAAAAAAAAAAAAAAAAAAAAAAAAAAAAAAAAAAAAAAAAAAAAAFAAAADwAAAAAAAAAAAAAAAAAAAkUAAAAAQAAABQAAAAUAAAAFAAAAAEAAAAAAAAAZAAAAGQAAAAAAAAAZAAAAGQAAAAVAAAAYAAAAAAAAAAAAAAADwAAACADAAAAAAAAAAAAAAEAAACgMgAAVgcAAKr4//8BAAAAf39/AAEAAABkAAAAAAAAABQAAABAHwAAAAAAACYAAAAAAAAAwOD//wAAAAAmAAAAZAAAABYAAABMAAAAAAAAAAAAAAAEAAAAAAAAAAEAAADn5uYKAAAAACgAAAAoAAAAZAAAAGQAAAAAAAAAzMzMAAAAAABQAAAAUAAAAGQAAABkAAAAAAAAABcAAAAUAAAAAAAAAAAAAAD/fwAA/38AAAAAAAAJAAAABAAAAAAAAAAeAAAAaAAAAAAAAAAAAAAAAAAAAAAAAAAAAAAAECcAABAnAAAAAAAAAAAAAAAAAAAAAAAAAAAAAAAAAAAAAAAAAAAAABQAAAAAAAAAwMD/AAAAAABkAAAAMgAAAAAAAABkAAAAAAAAAH9/fwAKAAAAIgAAABgAAAAAAAAAAAAAAAAAAAAAAAAAAAAAAAAAAAAkAAAAJAAAAAAAAAAHAAAAAAAAAAAAAAAAAAAAAAAAAAAAAAAAAAAAf39/ACUAAABYAAAAAAAAAAAAAAAAAAAAAAAAAAAAAAAAAAAAAAAAAAAAAAAAAAAAAAAAAAAAAAA/AAAAAAAAAKCGAQAAAAAAAAAAAAAAAAAMAAAAAQAAAAAAAAAAAAAAAAAAAB8AAABUAAAAAAAABQAAAAEAAAAAAAAAAAAAAAAAAAAAAAAAAAAAAAAAAAAAAAAAAAAAAAJ/f38AAAAAA8zMzADAwP8Af39/AAAAAAAAAAAAAAAAAAAAAAAAAAAAIQAAABgAAAAUAAAA4x8AABMGAADbRQAADiQAABAAAAAmAAAACAAAAAGAAAAAAAAAMAAAABQAAAAAAAAAAAD//wAAAQAAAP//AAABAA=="/>
+                <pr:smNativeData xmlns:mc="http://schemas.openxmlformats.org/markup-compatibility/2006" xmlns:p14="http://schemas.microsoft.com/office/powerpoint/2010/main" xmlns:p15="http://schemas.microsoft.com/office/powerpoint/2012/main" xmlns:pr="smNativeData" xmlns="smNativeData" val="SMDATA_16_xzE7ZxMAAAAlAAAAZAAAAA0AAAAAkAAAAEgAAACQAAAASAAAAAAAAAAAAAAAAAAAAAEAAABQAAAAAAAAAAAA4D8AAAAAAADgPwAAAAAAAOA/AAAAAAAA4D8AAAAAAADgPwAAAAAAAOA/AAAAAAAA4D8AAAAAAADgPwAAAAAAAOA/AAAAAAAA4D8CAAAAjAAAAAAAAAAAAAAARHLEDP///wgAAAAAAAAAAAAAAAAAAAAAAAAAAAAAAAAAAAAAZAAAAAEAAABAAAAAAAAAAAAAAAAAAAAAAAAAAAAAAAAAAAAAAAAAAAAAAAAAAAAAAAAAAAAAAAAAAAAAAAAAAAAAAAAAAAAAAAAAAAAAAAAAAAAAAAAAAAAAAAAAAAAAFAAAADwAAAAAAAAAAAAAAAAAAAkUAAAAAQAAABQAAAAUAAAAFAAAAAEAAAAAAAAAZAAAAGQAAAAAAAAAZAAAAGQAAAAVAAAAYAAAAAAAAAAAAAAADwAAACADAAAAAAAAAAAAAAEAAACgMgAAVgcAAKr4//8BAAAAf39/AAEAAABkAAAAAAAAABQAAABAHwAAAAAAACYAAAAAAAAAwOD//wAAAAAmAAAAZAAAABYAAABMAAAAAAAAAAAAAAAEAAAAAAAAAAEAAADn5uYKAAAAACgAAAAoAAAAZAAAAGQAAAAAAAAAzMzMAAAAAABQAAAAUAAAAGQAAABkAAAAAAAAABcAAAAUAAAAAAAAAAAAAAD/fwAA/38AAAAAAAAJAAAABAAAAAAAAAAeAAAAaAAAAAAAAAAAAAAAAAAAAAAAAAAAAAAAECcAABAnAAAAAAAAAAAAAAAAAAAAAAAAAAAAAAAAAAAAAAAAAAAAABQAAAAAAAAAwMD/AAAAAABkAAAAMgAAAAAAAABkAAAAAAAAAH9/fwAKAAAAIgAAABgAAAAAAAAAAAAAAAAAAAAAAAAAAAAAAAAAAAAkAAAAJAAAAAAAAAAHAAAAAAAAAAAAAAAAAAAAAAAAAAAAAAAAAAAAf39/ACUAAABYAAAAAAAAAAAAAAAAAAAAAAAAAAAAAAAAAAAAAAAAAAAAAAAAAAAAAAAAAAAAAAA/AAAAAAAAAKCGAQAAAAAAAAAAAAAAAAAMAAAAAQAAAAAAAAAAAAAAAAAAAB8AAABUAAAAAAAABQAAAAEAAAAAAAAAAAAAAAAAAAAAAAAAAAAAAAAAAAAAAAAAAAAAAAJ/f38AAAAAA8zMzADAwP8Af39/AAAAAAAAAAAAAAAAAAAAAAAAAAAAIQAAABgAAAAUAAAA4x8AABMGAADbRQAADiQAABAAAAAmAAAACAAAAAGAAAAAAAAAMAAAABQAAAAAAAAAAAD//wAAAQAAAP//AAABAA=="/>
               </a:ext>
             </a:extLst>
           </p:cNvSpPr>
@@ -4122,6 +3975,7 @@
             <a:pPr>
               <a:defRPr lang="ru-ru"/>
             </a:pPr>
+            <a:endParaRPr/>
           </a:p>
         </p:txBody>
       </p:sp>
@@ -4132,7 +3986,7 @@
             <a:spLocks noGrp="1" noChangeArrowheads="1"/>
             <a:extLst>
               <a:ext uri="smNativeData">
-                <pr:smNativeData xmlns:pr="smNativeData" xmlns="smNativeData" val="SMDATA_16_xzE7ZxMAAAAlAAAAZAAAAA0AAAAAkAAAAEgAAACQAAAASAAAAAAAAAAAAAAAAAAAAAEAAABQAAAAAAAAAAAA4D8AAAAAAADgPwAAAAAAAOA/AAAAAAAA4D8AAAAAAADgPwAAAAAAAOA/AAAAAAAA4D8AAAAAAADgPwAAAAAAAOA/AAAAAAAA4D8CAAAAjAAAAAAAAAAAAAAARHLEDP///wgAAAAAAAAAAAAAAAAAAAAAAAAAAAAAAAAAAAAAZAAAAAEAAABAAAAAAAAAAAAAAAAAAAAAAAAAAAAAAAAAAAAAAAAAAAAAAAAAAAAAAAAAAAAAAAAAAAAAAAAAAAAAAAAAAAAAAAAAAAAAAAAAAAAAAAAAAAAAAAAAAAAAFAAAADwAAAAAAAAAAAAAAAAAAAkUAAAAAQAAABQAAAAUAAAAFAAAAAEAAAAAAAAAZAAAAGQAAAAAAAAAZAAAAGQAAAAVAAAAYAAAAAAAAAAAAAAADwAAACADAAAAAAAAAAAAAAEAAACgMgAAVgcAAKr4//8BAAAAf39/AAEAAABkAAAAAAAAABQAAABAHwAAAAAAACYAAAAAAAAAwOD//wAAAAAmAAAAZAAAABYAAABMAAAAAAAAAAAAAAAEAAAAAAAAAAEAAADn5uYKAAAAACgAAAAoAAAAZAAAAGQAAAAAAAAAzMzMAAAAAABQAAAAUAAAAGQAAABkAAAAAAAAABcAAAAUAAAAAAAAAAAAAAD/fwAA/38AAAAAAAAJAAAABAAAAAAAAAAeAAAAaAAAAAAAAAAAAAAAAAAAAAAAAAAAAAAAECcAABAnAAAAAAAAAAAAAAAAAAAAAAAAAAAAAAAAAAAAAAAAAAAAABQAAAAAAAAAwMD/AAAAAABkAAAAMgAAAAAAAABkAAAAAAAAAH9/fwAKAAAAIgAAABgAAAAAAAAAAAAAAAAAAAAAAAAAAAAAAAAAAAAkAAAAJAAAAAAAAAAHAAAAAAAAAAAAAAAAAAAAAAAAAAAAAAAAAAAAf39/ACUAAABYAAAAAAAAAAAAAAAAAAAAAAAAAAAAAAAAAAAAAAAAAAAAAAAAAAAAAAAAAAAAAAA/AAAAAAAAAKCGAQAAAAAAAAAAAAAAAAAMAAAAAQAAAAAAAAAAAAAAAAAAAB8AAABUAAAAAAAABQAAAAEAAAAAAAAAAAAAAAAAAAAAAAAAAAAAAAAAAAAAAAAAAAAAAAJ/f38AAAAAA8zMzADAwP8Af39/AAAAAAAAAAAAAAAAAAAAAAAAAAAAIQAAABgAAAAUAAAAKwUAAKgMAABbHQAAGyQAABAAAAAmAAAACAAAAAGAAAAAAAAAMAAAABQAAAAAAAAAAAD//wAAAQAAAP//AAABAA=="/>
+                <pr:smNativeData xmlns:mc="http://schemas.openxmlformats.org/markup-compatibility/2006" xmlns:p14="http://schemas.microsoft.com/office/powerpoint/2010/main" xmlns:p15="http://schemas.microsoft.com/office/powerpoint/2012/main" xmlns:pr="smNativeData" xmlns="smNativeData" val="SMDATA_16_xzE7ZxMAAAAlAAAAZAAAAA0AAAAAkAAAAEgAAACQAAAASAAAAAAAAAAAAAAAAAAAAAEAAABQAAAAAAAAAAAA4D8AAAAAAADgPwAAAAAAAOA/AAAAAAAA4D8AAAAAAADgPwAAAAAAAOA/AAAAAAAA4D8AAAAAAADgPwAAAAAAAOA/AAAAAAAA4D8CAAAAjAAAAAAAAAAAAAAARHLEDP///wgAAAAAAAAAAAAAAAAAAAAAAAAAAAAAAAAAAAAAZAAAAAEAAABAAAAAAAAAAAAAAAAAAAAAAAAAAAAAAAAAAAAAAAAAAAAAAAAAAAAAAAAAAAAAAAAAAAAAAAAAAAAAAAAAAAAAAAAAAAAAAAAAAAAAAAAAAAAAAAAAAAAAFAAAADwAAAAAAAAAAAAAAAAAAAkUAAAAAQAAABQAAAAUAAAAFAAAAAEAAAAAAAAAZAAAAGQAAAAAAAAAZAAAAGQAAAAVAAAAYAAAAAAAAAAAAAAADwAAACADAAAAAAAAAAAAAAEAAACgMgAAVgcAAKr4//8BAAAAf39/AAEAAABkAAAAAAAAABQAAABAHwAAAAAAACYAAAAAAAAAwOD//wAAAAAmAAAAZAAAABYAAABMAAAAAAAAAAAAAAAEAAAAAAAAAAEAAADn5uYKAAAAACgAAAAoAAAAZAAAAGQAAAAAAAAAzMzMAAAAAABQAAAAUAAAAGQAAABkAAAAAAAAABcAAAAUAAAAAAAAAAAAAAD/fwAA/38AAAAAAAAJAAAABAAAAAAAAAAeAAAAaAAAAAAAAAAAAAAAAAAAAAAAAAAAAAAAECcAABAnAAAAAAAAAAAAAAAAAAAAAAAAAAAAAAAAAAAAAAAAAAAAABQAAAAAAAAAwMD/AAAAAABkAAAAMgAAAAAAAABkAAAAAAAAAH9/fwAKAAAAIgAAABgAAAAAAAAAAAAAAAAAAAAAAAAAAAAAAAAAAAAkAAAAJAAAAAAAAAAHAAAAAAAAAAAAAAAAAAAAAAAAAAAAAAAAAAAAf39/ACUAAABYAAAAAAAAAAAAAAAAAAAAAAAAAAAAAAAAAAAAAAAAAAAAAAAAAAAAAAAAAAAAAAA/AAAAAAAAAKCGAQAAAAAAAAAAAAAAAAAMAAAAAQAAAAAAAAAAAAAAAAAAAB8AAABUAAAAAAAABQAAAAEAAAAAAAAAAAAAAAAAAAAAAAAAAAAAAAAAAAAAAAAAAAAAAAJ/f38AAAAAA8zMzADAwP8Af39/AAAAAAAAAAAAAAAAAAAAAAAAAAAAIQAAABgAAAAUAAAAKwUAAKgMAABbHQAAGyQAABAAAAAmAAAACAAAAAGAAAAAAAAAMAAAABQAAAAAAAAAAAD//wAAAQAAAP//AAABAA=="/>
               </a:ext>
             </a:extLst>
           </p:cNvSpPr>
@@ -4203,7 +4057,7 @@
             <a:spLocks noGrp="1" noChangeArrowheads="1"/>
             <a:extLst>
               <a:ext uri="smNativeData">
-                <pr:smNativeData xmlns:pr="smNativeData" xmlns="smNativeData" val="SMDATA_16_xzE7ZxMAAAAlAAAAZAAAAA0AAAAAkAAAAEgAAACQAAAASAAAAAAAAAABAAAAAAAAAAEAAABQAAAAAAAAAAAA4D8AAAAAAADgPwAAAAAAAOA/AAAAAAAA4D8AAAAAAADgPwAAAAAAAOA/AAAAAAAA4D8AAAAAAADgPwAAAAAAAOA/AAAAAAAA4D8CAAAAjAAAAAAAAAAAAAAARHLEDP///wgAAAAAAAAAAAAAAAAAAAAAAAAAAAAAAAAAAAAAZAAAAAEAAABAAAAAAAAAAAAAAAAAAAAAAAAAAAAAAAAAAAAAAAAAAAAAAAAAAAAAAAAAAAAAAAAAAAAAAAAAAAAAAAAAAAAAAAAAAAAAAAAAAAAAAAAAAAAAAAAAAAAAFAAAADwAAAAAAAAAAAAAAAAAAAkUAAAAAQAAABQAAAAUAAAAFAAAAAEAAAAAAAAAZAAAAGQAAAAAAAAAZAAAAGQAAAAVAAAAYAAAAAAAAAAAAAAADwAAACADAAAAAAAAAAAAAAEAAACgMgAAVgcAAKr4//8BAAAAf39/AAEAAABkAAAAAAAAABQAAABAHwAAAAAAACYAAAAAAAAAwOD//wAAAAAmAAAAZAAAABYAAABMAAAAAAAAAAAAAAAEAAAAAAAAAAEAAADn5uYKAAAAACgAAAAoAAAAZAAAAGQAAAAAAAAAzMzMAAAAAABQAAAAUAAAAGQAAABkAAAAAAAAABcAAAAUAAAAAAAAAAAAAAD/fwAA/38AAAAAAAAJAAAABAAAAAAAAAAeAAAAaAAAAAAAAAAAAAAAAAAAAAAAAAAAAAAAECcAABAnAAAAAAAAAAAAAAAAAAAAAAAAAAAAAAAAAAAAAAAAAAAAABQAAAAAAAAAwMD/AAAAAABkAAAAMgAAAAAAAABkAAAAAAAAAH9/fwAKAAAAIgAAABgAAAAAAAAAAAAAAAAAAAAAAAAAAAAAAAAAAAAkAAAAJAAAAAAAAAAHAAAAAAAAAAAAAAAAAAAAAAAAAAAAAAAAAAAAf39/ACUAAABYAAAAAAAAAAAAAAAAAAAAAAAAAAAAAAAAAAAAAAAAAAAAAAAAAAAAAAAAAAAAAAA/AAAAAAAAAKCGAQAAAAAAAAAAAAAAAAAMAAAAAQAAAAAAAAAAAAAAAAAAAB8AAABUAAAAAAAABQAAAAEAAAAAAAAAAAAAAAAAAAAAAAAAAAAAAAAAAAAAAAAAAAAAAAJ/f38AAAAAA8zMzADAwP8Af39/AAAAAAAAAAAAAAAAAAAAAAAAAAAAIQAAABgAAAAUAAAAKAUAABonAAAIFgAAWSkAABAAAAAmAAAACAAAAAAAAAAAAAAAMAAAABQAAAAAAAAAAAD//wAAAQAAAP//AAABAA=="/>
+                <pr:smNativeData xmlns:mc="http://schemas.openxmlformats.org/markup-compatibility/2006" xmlns:p14="http://schemas.microsoft.com/office/powerpoint/2010/main" xmlns:p15="http://schemas.microsoft.com/office/powerpoint/2012/main" xmlns:pr="smNativeData" xmlns="smNativeData" val="SMDATA_16_xzE7ZxMAAAAlAAAAZAAAAA0AAAAAkAAAAEgAAACQAAAASAAAAAAAAAABAAAAAAAAAAEAAABQAAAAAAAAAAAA4D8AAAAAAADgPwAAAAAAAOA/AAAAAAAA4D8AAAAAAADgPwAAAAAAAOA/AAAAAAAA4D8AAAAAAADgPwAAAAAAAOA/AAAAAAAA4D8CAAAAjAAAAAAAAAAAAAAARHLEDP///wgAAAAAAAAAAAAAAAAAAAAAAAAAAAAAAAAAAAAAZAAAAAEAAABAAAAAAAAAAAAAAAAAAAAAAAAAAAAAAAAAAAAAAAAAAAAAAAAAAAAAAAAAAAAAAAAAAAAAAAAAAAAAAAAAAAAAAAAAAAAAAAAAAAAAAAAAAAAAAAAAAAAAFAAAADwAAAAAAAAAAAAAAAAAAAkUAAAAAQAAABQAAAAUAAAAFAAAAAEAAAAAAAAAZAAAAGQAAAAAAAAAZAAAAGQAAAAVAAAAYAAAAAAAAAAAAAAADwAAACADAAAAAAAAAAAAAAEAAACgMgAAVgcAAKr4//8BAAAAf39/AAEAAABkAAAAAAAAABQAAABAHwAAAAAAACYAAAAAAAAAwOD//wAAAAAmAAAAZAAAABYAAABMAAAAAAAAAAAAAAAEAAAAAAAAAAEAAADn5uYKAAAAACgAAAAoAAAAZAAAAGQAAAAAAAAAzMzMAAAAAABQAAAAUAAAAGQAAABkAAAAAAAAABcAAAAUAAAAAAAAAAAAAAD/fwAA/38AAAAAAAAJAAAABAAAAAAAAAAeAAAAaAAAAAAAAAAAAAAAAAAAAAAAAAAAAAAAECcAABAnAAAAAAAAAAAAAAAAAAAAAAAAAAAAAAAAAAAAAAAAAAAAABQAAAAAAAAAwMD/AAAAAABkAAAAMgAAAAAAAABkAAAAAAAAAH9/fwAKAAAAIgAAABgAAAAAAAAAAAAAAAAAAAAAAAAAAAAAAAAAAAAkAAAAJAAAAAAAAAAHAAAAAAAAAAAAAAAAAAAAAAAAAAAAAAAAAAAAf39/ACUAAABYAAAAAAAAAAAAAAAAAAAAAAAAAAAAAAAAAAAAAAAAAAAAAAAAAAAAAAAAAAAAAAA/AAAAAAAAAKCGAQAAAAAAAAAAAAAAAAAMAAAAAQAAAAAAAAAAAAAAAAAAAB8AAABUAAAAAAAABQAAAAEAAAAAAAAAAAAAAAAAAAAAAAAAAAAAAAAAAAAAAAAAAAAAAAJ/f38AAAAAA8zMzADAwP8Af39/AAAAAAAAAAAAAAAAAAAAAAAAAAAAIQAAABgAAAAUAAAAKAUAABonAAAIFgAAWSkAABAAAAAmAAAACAAAAAAAAAAAAAAAMAAAABQAAAAAAAAAAAD//wAAAQAAAP//AAABAA=="/>
               </a:ext>
             </a:extLst>
           </p:cNvSpPr>
@@ -4220,8 +4074,9 @@
               <a:defRPr lang="ru-ru"/>
             </a:pPr>
             <a:fld id="{3BC5D013-5DD6-9026-987D-AB739E336EFE}" type="datetime1">
-              <a:t>18.11.2024</a:t>
+              <a:t>20.11.2024</a:t>
             </a:fld>
+            <a:endParaRPr/>
           </a:p>
         </p:txBody>
       </p:sp>
@@ -4232,7 +4087,7 @@
             <a:spLocks noGrp="1" noChangeArrowheads="1"/>
             <a:extLst>
               <a:ext uri="smNativeData">
-                <pr:smNativeData xmlns:pr="smNativeData" xmlns="smNativeData" val="SMDATA_16_xzE7ZxMAAAAlAAAAZAAAAA0AAAAAkAAAAEgAAACQAAAASAAAAAAAAAABAAAAAAAAAAEAAABQAAAAAAAAAAAA4D8AAAAAAADgPwAAAAAAAOA/AAAAAAAA4D8AAAAAAADgPwAAAAAAAOA/AAAAAAAA4D8AAAAAAADgPwAAAAAAAOA/AAAAAAAA4D8CAAAAjAAAAAAAAAAAAAAARHLEDP///wgAAAAAAAAAAAAAAAAAAAAAAAAAAAAAAAAAAAAAZAAAAAEAAABAAAAAAAAAAAAAAAAAAAAAAAAAAAAAAAAAAAAAAAAAAAAAAAAAAAAAAAAAAAAAAAAAAAAAAAAAAAAAAAAAAAAAAAAAAAAAAAAAAAAAAAAAAAAAAAAAAAAAFAAAADwAAAAAAAAAAAAAAAAAAAkUAAAAAQAAABQAAAAUAAAAFAAAAAEAAAAAAAAAZAAAAGQAAAAAAAAAZAAAAGQAAAAVAAAAYAAAAAAAAAAAAAAADwAAACADAAAAAAAAAAAAAAEAAACgMgAAVgcAAKr4//8BAAAAf39/AAEAAABkAAAAAAAAABQAAABAHwAAAAAAACYAAAAAAAAAwOD//wAAAAAmAAAAZAAAABYAAABMAAAAAAAAAAAAAAAEAAAAAAAAAAEAAADn5uYKAAAAACgAAAAoAAAAZAAAAGQAAAAAAAAAzMzMAAAAAABQAAAAUAAAAGQAAABkAAAAAAAAABcAAAAUAAAAAAAAAAAAAAD/fwAA/38AAAAAAAAJAAAABAAAAAAAAAAeAAAAaAAAAAAAAAAAAAAAAAAAAAAAAAAAAAAAECcAABAnAAAAAAAAAAAAAAAAAAAAAAAAAAAAAAAAAAAAAAAAAAAAABQAAAAAAAAAwMD/AAAAAABkAAAAMgAAAAAAAABkAAAAAAAAAH9/fwAKAAAAIgAAABgAAAAAAAAAAAAAAAAAAAAAAAAAAAAAAAAAAAAkAAAAJAAAAAAAAAAHAAAAAAAAAAAAAAAAAAAAAAAAAAAAAAAAAAAAf39/ACUAAABYAAAAAAAAAAAAAAAAAAAAAAAAAAAAAAAAAAAAAAAAAAAAAAAAAAAAAAAAAAAAAAA/AAAAAAAAAKCGAQAAAAAAAAAAAAAAAAAMAAAAAQAAAAAAAAAAAAAAAAAAAB8AAABUAAAAAAAABQAAAAEAAAAAAAAAAAAAAAAAAAAAAAAAAAAAAAAAAAAAAAAAAAAAAAJ/f38AAAAAA8zMzADAwP8Af39/AAAAAAAAAAAAAAAAAAAAAAAAAAAAIQAAABgAAAAUAAAA2BgAABonAAAoMgAAWSkAABAAAAAmAAAACAAAAAAAAAAAAAAAMAAAABQAAAAAAAAAAAD//wAAAQAAAP//AAABAA=="/>
+                <pr:smNativeData xmlns:mc="http://schemas.openxmlformats.org/markup-compatibility/2006" xmlns:p14="http://schemas.microsoft.com/office/powerpoint/2010/main" xmlns:p15="http://schemas.microsoft.com/office/powerpoint/2012/main" xmlns:pr="smNativeData" xmlns="smNativeData" val="SMDATA_16_xzE7ZxMAAAAlAAAAZAAAAA0AAAAAkAAAAEgAAACQAAAASAAAAAAAAAABAAAAAAAAAAEAAABQAAAAAAAAAAAA4D8AAAAAAADgPwAAAAAAAOA/AAAAAAAA4D8AAAAAAADgPwAAAAAAAOA/AAAAAAAA4D8AAAAAAADgPwAAAAAAAOA/AAAAAAAA4D8CAAAAjAAAAAAAAAAAAAAARHLEDP///wgAAAAAAAAAAAAAAAAAAAAAAAAAAAAAAAAAAAAAZAAAAAEAAABAAAAAAAAAAAAAAAAAAAAAAAAAAAAAAAAAAAAAAAAAAAAAAAAAAAAAAAAAAAAAAAAAAAAAAAAAAAAAAAAAAAAAAAAAAAAAAAAAAAAAAAAAAAAAAAAAAAAAFAAAADwAAAAAAAAAAAAAAAAAAAkUAAAAAQAAABQAAAAUAAAAFAAAAAEAAAAAAAAAZAAAAGQAAAAAAAAAZAAAAGQAAAAVAAAAYAAAAAAAAAAAAAAADwAAACADAAAAAAAAAAAAAAEAAACgMgAAVgcAAKr4//8BAAAAf39/AAEAAABkAAAAAAAAABQAAABAHwAAAAAAACYAAAAAAAAAwOD//wAAAAAmAAAAZAAAABYAAABMAAAAAAAAAAAAAAAEAAAAAAAAAAEAAADn5uYKAAAAACgAAAAoAAAAZAAAAGQAAAAAAAAAzMzMAAAAAABQAAAAUAAAAGQAAABkAAAAAAAAABcAAAAUAAAAAAAAAAAAAAD/fwAA/38AAAAAAAAJAAAABAAAAAAAAAAeAAAAaAAAAAAAAAAAAAAAAAAAAAAAAAAAAAAAECcAABAnAAAAAAAAAAAAAAAAAAAAAAAAAAAAAAAAAAAAAAAAAAAAABQAAAAAAAAAwMD/AAAAAABkAAAAMgAAAAAAAABkAAAAAAAAAH9/fwAKAAAAIgAAABgAAAAAAAAAAAAAAAAAAAAAAAAAAAAAAAAAAAAkAAAAJAAAAAAAAAAHAAAAAAAAAAAAAAAAAAAAAAAAAAAAAAAAAAAAf39/ACUAAABYAAAAAAAAAAAAAAAAAAAAAAAAAAAAAAAAAAAAAAAAAAAAAAAAAAAAAAAAAAAAAAA/AAAAAAAAAKCGAQAAAAAAAAAAAAAAAAAMAAAAAQAAAAAAAAAAAAAAAAAAAB8AAABUAAAAAAAABQAAAAEAAAAAAAAAAAAAAAAAAAAAAAAAAAAAAAAAAAAAAAAAAAAAAAJ/f38AAAAAA8zMzADAwP8Af39/AAAAAAAAAAAAAAAAAAAAAAAAAAAAIQAAABgAAAAUAAAA2BgAABonAAAoMgAAWSkAABAAAAAmAAAACAAAAAAAAAAAAAAAMAAAABQAAAAAAAAAAAD//wAAAQAAAP//AAABAA=="/>
               </a:ext>
             </a:extLst>
           </p:cNvSpPr>
@@ -4248,6 +4103,7 @@
             <a:pPr>
               <a:defRPr lang="ru-ru"/>
             </a:pPr>
+            <a:endParaRPr/>
           </a:p>
         </p:txBody>
       </p:sp>
@@ -4258,7 +4114,7 @@
             <a:spLocks noGrp="1" noChangeArrowheads="1"/>
             <a:extLst>
               <a:ext uri="smNativeData">
-                <pr:smNativeData xmlns:pr="smNativeData" xmlns="smNativeData" val="SMDATA_16_xzE7ZxMAAAAlAAAAZAAAAA0AAAAAkAAAAEgAAACQAAAASAAAAAAAAAABAAAAAAAAAAEAAABQAAAAAAAAAAAA4D8AAAAAAADgPwAAAAAAAOA/AAAAAAAA4D8AAAAAAADgPwAAAAAAAOA/AAAAAAAA4D8AAAAAAADgPwAAAAAAAOA/AAAAAAAA4D8CAAAAjAAAAAAAAAAAAAAARHLEDP///wgAAAAAAAAAAAAAAAAAAAAAAAAAAAAAAAAAAAAAZAAAAAEAAABAAAAAAAAAAAAAAAAAAAAAAAAAAAAAAAAAAAAAAAAAAAAAAAAAAAAAAAAAAAAAAAAAAAAAAAAAAAAAAAAAAAAAAAAAAAAAAAAAAAAAAAAAAAAAAAAAAAAAFAAAADwAAAAAAAAAAAAAAAAAAAkUAAAAAQAAABQAAAAUAAAAFAAAAAEAAAAAAAAAZAAAAGQAAAAAAAAAZAAAAGQAAAAVAAAAYAAAAAAAAAAAAAAADwAAACADAAAAAAAAAAAAAAEAAACgMgAAVgcAAKr4//8BAAAAf39/AAEAAABkAAAAAAAAABQAAABAHwAAAAAAACYAAAAAAAAAwOD//wAAAAAmAAAAZAAAABYAAABMAAAAAAAAAAAAAAAEAAAAAAAAAAEAAADn5uYKAAAAACgAAAAoAAAAZAAAAGQAAAAAAAAAzMzMAAAAAABQAAAAUAAAAGQAAABkAAAAAAAAABcAAAAUAAAAAAAAAAAAAAD/fwAA/38AAAAAAAAJAAAABAAAAAAAAAAeAAAAaAAAAAAAAAAAAAAAAAAAAAAAAAAAAAAAECcAABAnAAAAAAAAAAAAAAAAAAAAAAAAAAAAAAAAAAAAAAAAAAAAABQAAAAAAAAAwMD/AAAAAABkAAAAMgAAAAAAAABkAAAAAAAAAH9/fwAKAAAAIgAAABgAAAAAAAAAAAAAAAAAAAAAAAAAAAAAAAAAAAAkAAAAJAAAAAAAAAAHAAAAAAAAAAAAAAAAAAAAAAAAAAAAAAAAAAAAf39/ACUAAABYAAAAAAAAAAAAAAAAAAAAAAAAAAAAAAAAAAAAAAAAAAAAAAAAAAAAAAAAAAAAAAA/AAAAAAAAAKCGAQAAAAAAAAAAAAAAAAAMAAAAAQAAAAAAAAAAAAAAAAAAAB8AAABUAAAAAAAABQAAAAEAAAAAAAAAAAAAAAAAAAAAAAAAAAAAAAAAAAAAAAAAAAAAAAJ/f38AAAAAA8zMzADAwP8Af39/AAAAAAAAAAAAAAAAAAAAAAAAAAAAIQAAABgAAAAUAAAA+DQAABonAADYRQAAWSkAABAAAAAmAAAACAAAAAAAAAAAAAAAMAAAABQAAAAAAAAAAAD//wAAAQAAAP//AAABAA=="/>
+                <pr:smNativeData xmlns:mc="http://schemas.openxmlformats.org/markup-compatibility/2006" xmlns:p14="http://schemas.microsoft.com/office/powerpoint/2010/main" xmlns:p15="http://schemas.microsoft.com/office/powerpoint/2012/main" xmlns:pr="smNativeData" xmlns="smNativeData" val="SMDATA_16_xzE7ZxMAAAAlAAAAZAAAAA0AAAAAkAAAAEgAAACQAAAASAAAAAAAAAABAAAAAAAAAAEAAABQAAAAAAAAAAAA4D8AAAAAAADgPwAAAAAAAOA/AAAAAAAA4D8AAAAAAADgPwAAAAAAAOA/AAAAAAAA4D8AAAAAAADgPwAAAAAAAOA/AAAAAAAA4D8CAAAAjAAAAAAAAAAAAAAARHLEDP///wgAAAAAAAAAAAAAAAAAAAAAAAAAAAAAAAAAAAAAZAAAAAEAAABAAAAAAAAAAAAAAAAAAAAAAAAAAAAAAAAAAAAAAAAAAAAAAAAAAAAAAAAAAAAAAAAAAAAAAAAAAAAAAAAAAAAAAAAAAAAAAAAAAAAAAAAAAAAAAAAAAAAAFAAAADwAAAAAAAAAAAAAAAAAAAkUAAAAAQAAABQAAAAUAAAAFAAAAAEAAAAAAAAAZAAAAGQAAAAAAAAAZAAAAGQAAAAVAAAAYAAAAAAAAAAAAAAADwAAACADAAAAAAAAAAAAAAEAAACgMgAAVgcAAKr4//8BAAAAf39/AAEAAABkAAAAAAAAABQAAABAHwAAAAAAACYAAAAAAAAAwOD//wAAAAAmAAAAZAAAABYAAABMAAAAAAAAAAAAAAAEAAAAAAAAAAEAAADn5uYKAAAAACgAAAAoAAAAZAAAAGQAAAAAAAAAzMzMAAAAAABQAAAAUAAAAGQAAABkAAAAAAAAABcAAAAUAAAAAAAAAAAAAAD/fwAA/38AAAAAAAAJAAAABAAAAAAAAAAeAAAAaAAAAAAAAAAAAAAAAAAAAAAAAAAAAAAAECcAABAnAAAAAAAAAAAAAAAAAAAAAAAAAAAAAAAAAAAAAAAAAAAAABQAAAAAAAAAwMD/AAAAAABkAAAAMgAAAAAAAABkAAAAAAAAAH9/fwAKAAAAIgAAABgAAAAAAAAAAAAAAAAAAAAAAAAAAAAAAAAAAAAkAAAAJAAAAAAAAAAHAAAAAAAAAAAAAAAAAAAAAAAAAAAAAAAAAAAAf39/ACUAAABYAAAAAAAAAAAAAAAAAAAAAAAAAAAAAAAAAAAAAAAAAAAAAAAAAAAAAAAAAAAAAAA/AAAAAAAAAKCGAQAAAAAAAAAAAAAAAAAMAAAAAQAAAAAAAAAAAAAAAAAAAB8AAABUAAAAAAAABQAAAAEAAAAAAAAAAAAAAAAAAAAAAAAAAAAAAAAAAAAAAAAAAAAAAAJ/f38AAAAAA8zMzADAwP8Af39/AAAAAAAAAAAAAAAAAAAAAAAAAAAAIQAAABgAAAAUAAAA+DQAABonAADYRQAAWSkAABAAAAAmAAAACAAAAAAAAAAAAAAAMAAAABQAAAAAAAAAAAD//wAAAQAAAP//AAABAA=="/>
               </a:ext>
             </a:extLst>
           </p:cNvSpPr>
@@ -4277,6 +4133,7 @@
             <a:fld id="{3BC5E57B-35D6-9013-987D-C346AB336E96}" type="slidenum">
               <a:t>‹#›</a:t>
             </a:fld>
+            <a:endParaRPr/>
           </a:p>
         </p:txBody>
       </p:sp>
@@ -4290,7 +4147,7 @@
 </file>
 
 <file path=ppt/slideMasters/slideMaster1.xml><?xml version="1.0" encoding="utf-8"?>
-<p:sldMaster xmlns:p="http://schemas.openxmlformats.org/presentationml/2006/main" xmlns:mc="http://schemas.openxmlformats.org/markup-compatibility/2006" xmlns:p14="http://schemas.microsoft.com/office/powerpoint/2010/main" xmlns:p15="http://schemas.microsoft.com/office/powerpoint/2012/main" xmlns:r="http://schemas.openxmlformats.org/officeDocument/2006/relationships" xmlns:a="http://schemas.openxmlformats.org/drawingml/2006/main">
+<p:sldMaster xmlns:a="http://schemas.openxmlformats.org/drawingml/2006/main" xmlns:r="http://schemas.openxmlformats.org/officeDocument/2006/relationships" xmlns:p="http://schemas.openxmlformats.org/presentationml/2006/main">
   <p:cSld>
     <p:bg>
       <p:bgPr>
@@ -4321,7 +4178,7 @@
             <a:spLocks noGrp="1" noChangeArrowheads="1"/>
             <a:extLst>
               <a:ext uri="smNativeData">
-                <pr:smNativeData xmlns:pr="smNativeData" xmlns="smNativeData" val="SMDATA_16_xzE7ZxMAAAAlAAAAZAAAAA0AAAAAkAAAAEgAAACQAAAASAAAAAAAAAABAAAAAAAAAAEAAABQAAAAAAAAAAAA4D8AAAAAAADgPwAAAAAAAOA/AAAAAAAA4D8AAAAAAADgPwAAAAAAAOA/AAAAAAAA4D8AAAAAAADgPwAAAAAAAOA/AAAAAAAA4D8CAAAAjAAAAAAAAAAAAAAA////AP///wgAAAAAAAAAAAAAAAAAAAAAAAAAAAAAAAAAAAAAeAAAAAEAAABAAAAAAAAAAAAAAABaAAAAAAAAAAAAAAAAAAAAAAAAAAAAAAAAAAAAAAAAAAAAAAAAAAAAAAAAAAAAAAAAAAAAAAAAAAAAAAAAAAAAAAAAAAAAAAAAAAAAFAAAADwAAAAAAAAAAAAAAAAAAAAPAAAAAQAAACMAAAAjAAAAIwAAAB4AAAAAAAAAZAAAAGQAAAAAAAAAZAAAAGQAAAAVAAAAYAAAAAAAAAAAAAAADwAAACADAAAAAAAAAAAAAAEAAACgMgAAVgcAAKr4//8BAAAAf39/AAEAAABkAAAAAAAAABQAAABAHwAAAAAAACYAAAAAAAAAwOD//wAAAAAmAAAAZAAAABYAAABMAAAAAAAAAAAAAAAEAAAAAAAAAAEAAADn5uYKAAAAACgAAAAoAAAAZAAAAGQAAAAAAAAAzMzMAAAAAABQAAAAUAAAAGQAAABkAAAAAAAAABcAAAAUAAAAAAAAAAAAAAD/fwAA/38AAAAAAAAJAAAABAAAAAAAAAAeAAAAaAAAAAAAAAAAAAAAAAAAAAAAAAAAAAAAECcAABAnAAAAAAAAAAAAAAAAAAAAAAAAAAAAAAAAAAAAAAAAAAAAABQAAAAAAAAAwMD/AAAAAABkAAAAMgAAAAAAAABkAAAAAAAAAH9/fwAKAAAAIgAAABgAAAAAAAAAAAAAAAAAAAAAAAAAAAAAAAAAAAAkAAAAJAAAAAAAAAAHAAAAAAAAAAAAAAAAAAAAAAAAAAAAAAAAAAAAf39/ACUAAABYAAAAAAAAAAAAAAAAAAAAAAAAAAAAAAAAAAAAAAAAAAAAAAAAAAAAAAAAAAAAAAA/AAAAAAAAAKCGAQAAAAAAAAAAAAAAAAAMAAAAAQAAAAAAAAAAAAAAAAAAAB8AAABUAAAA////AAAAAAEAAAAAAAAAAAAAAAAAAAAAAAAAAAAAAAAAAAAAAAAAAAAAAAB/f38AAAAAA8zMzADAwP8Af39/AAAAAAAAAAAAAAAAAAAAAAAAAAAAIQAAABgAAAAUAAAAKAUAAD8CAADYRQAAZwoAABAAAAAmAAAACAAAAL8vAAAAAAAAMAAAABQAAAAAAAAAAAD//wAAAQAAAP//AAABAA=="/>
+                <pr:smNativeData xmlns:mc="http://schemas.openxmlformats.org/markup-compatibility/2006" xmlns:p14="http://schemas.microsoft.com/office/powerpoint/2010/main" xmlns:p15="http://schemas.microsoft.com/office/powerpoint/2012/main" xmlns:pr="smNativeData" xmlns="smNativeData" val="SMDATA_16_xzE7ZxMAAAAlAAAAZAAAAA0AAAAAkAAAAEgAAACQAAAASAAAAAAAAAABAAAAAAAAAAEAAABQAAAAAAAAAAAA4D8AAAAAAADgPwAAAAAAAOA/AAAAAAAA4D8AAAAAAADgPwAAAAAAAOA/AAAAAAAA4D8AAAAAAADgPwAAAAAAAOA/AAAAAAAA4D8CAAAAjAAAAAAAAAAAAAAA////AP///wgAAAAAAAAAAAAAAAAAAAAAAAAAAAAAAAAAAAAAeAAAAAEAAABAAAAAAAAAAAAAAABaAAAAAAAAAAAAAAAAAAAAAAAAAAAAAAAAAAAAAAAAAAAAAAAAAAAAAAAAAAAAAAAAAAAAAAAAAAAAAAAAAAAAAAAAAAAAAAAAAAAAFAAAADwAAAAAAAAAAAAAAAAAAAAPAAAAAQAAACMAAAAjAAAAIwAAAB4AAAAAAAAAZAAAAGQAAAAAAAAAZAAAAGQAAAAVAAAAYAAAAAAAAAAAAAAADwAAACADAAAAAAAAAAAAAAEAAACgMgAAVgcAAKr4//8BAAAAf39/AAEAAABkAAAAAAAAABQAAABAHwAAAAAAACYAAAAAAAAAwOD//wAAAAAmAAAAZAAAABYAAABMAAAAAAAAAAAAAAAEAAAAAAAAAAEAAADn5uYKAAAAACgAAAAoAAAAZAAAAGQAAAAAAAAAzMzMAAAAAABQAAAAUAAAAGQAAABkAAAAAAAAABcAAAAUAAAAAAAAAAAAAAD/fwAA/38AAAAAAAAJAAAABAAAAAAAAAAeAAAAaAAAAAAAAAAAAAAAAAAAAAAAAAAAAAAAECcAABAnAAAAAAAAAAAAAAAAAAAAAAAAAAAAAAAAAAAAAAAAAAAAABQAAAAAAAAAwMD/AAAAAABkAAAAMgAAAAAAAABkAAAAAAAAAH9/fwAKAAAAIgAAABgAAAAAAAAAAAAAAAAAAAAAAAAAAAAAAAAAAAAkAAAAJAAAAAAAAAAHAAAAAAAAAAAAAAAAAAAAAAAAAAAAAAAAAAAAf39/ACUAAABYAAAAAAAAAAAAAAAAAAAAAAAAAAAAAAAAAAAAAAAAAAAAAAAAAAAAAAAAAAAAAAA/AAAAAAAAAKCGAQAAAAAAAAAAAAAAAAAMAAAAAQAAAAAAAAAAAAAAAAAAAB8AAABUAAAA////AAAAAAEAAAAAAAAAAAAAAAAAAAAAAAAAAAAAAAAAAAAAAAAAAAAAAAB/f38AAAAAA8zMzADAwP8Af39/AAAAAAAAAAAAAAAAAAAAAAAAAAAAIQAAABgAAAAUAAAAKAUAAD8CAADYRQAAZwoAABAAAAAmAAAACAAAAL8vAAAAAAAAMAAAABQAAAAAAAAAAAD//wAAAQAAAP//AAABAA=="/>
               </a:ext>
             </a:extLst>
           </p:cNvSpPr>
@@ -4362,7 +4219,7 @@
             <a:spLocks noGrp="1" noChangeArrowheads="1"/>
             <a:extLst>
               <a:ext uri="smNativeData">
-                <pr:smNativeData xmlns:pr="smNativeData" xmlns="smNativeData" val="SMDATA_16_xzE7ZxMAAAAlAAAAZAAAAA0AAAAAkAAAAEgAAACQAAAASAAAAAAAAAAAAAAAAAAAAAEAAABQAAAAAAAAAAAA4D8AAAAAAADgPwAAAAAAAOA/AAAAAAAA4D8AAAAAAADgPwAAAAAAAOA/AAAAAAAA4D8AAAAAAADgPwAAAAAAAOA/AAAAAAAA4D8CAAAAjAAAAAAAAAAAAAAA////AP///wgAAAAAAAAAAAAAAAAAAAAAAAAAAAAAAAAAAAAAeAAAAAEAAABAAAAAAAAAAAAAAABaAAAAAAAAAAAAAAAAAAAAAAAAAAAAAAAAAAAAAAAAAAAAAAAAAAAAAAAAAAAAAAAAAAAAAAAAAAAAAAAAAAAAAAAAAAAAAAAAAAAAFAAAADwAAAAAAAAAAAAAAAAAAAAPAAAAAQAAACMAAAAjAAAAIwAAAB4AAAAAAAAAZAAAAGQAAAAAAAAAZAAAAGQAAAAVAAAAYAAAAAAAAAAAAAAADwAAACADAAAAAAAAAAAAAAEAAACgMgAAVgcAAKr4//8BAAAAf39/AAEAAABkAAAAAAAAABQAAABAHwAAAAAAACYAAAAAAAAAwOD//wAAAAAmAAAAZAAAABYAAABMAAAAAAAAAAAAAAAEAAAAAAAAAAEAAADn5uYKAAAAACgAAAAoAAAAZAAAAGQAAAAAAAAAzMzMAAAAAABQAAAAUAAAAGQAAABkAAAAAAAAABcAAAAUAAAAAAAAAAAAAAD/fwAA/38AAAAAAAAJAAAABAAAAAAAAAAeAAAAaAAAAAAAAAAAAAAAAAAAAAAAAAAAAAAAECcAABAnAAAAAAAAAAAAAAAAAAAAAAAAAAAAAAAAAAAAAAAAAAAAABQAAAAAAAAAwMD/AAAAAABkAAAAMgAAAAAAAABkAAAAAAAAAH9/fwAKAAAAIgAAABgAAAAAAAAAAAAAAAAAAAAAAAAAAAAAAAAAAAAkAAAAJAAAAAAAAAAHAAAAAAAAAAAAAAAAAAAAAAAAAAAAAAAAAAAAf39/ACUAAABYAAAAAAAAAAAAAAAAAAAAAAAAAAAAAAAAAAAAAAAAAAAAAAAAAAAAAAAAAAAAAAA/AAAAAAAAAKCGAQAAAAAAAAAAAAAAAAAMAAAAAQAAAAAAAAAAAAAAAAAAAB8AAABUAAAA////AAAAAAEAAAAAAAAAAAAAAAAAAAAAAAAAAAAAAAAAAAAAAAAAAAAAAAB/f38AAAAAA8zMzADAwP8Af39/AAAAAAAAAAAAAAAAAAAAAAAAAAAAIQAAABgAAAAUAAAAKAUAADsLAADYRQAAACYAABAAAAAmAAAACAAAAD8vAAAAAAAAMAAAABQAAAAAAAAAAAD//wAAAQAAAP//AAABAA=="/>
+                <pr:smNativeData xmlns:mc="http://schemas.openxmlformats.org/markup-compatibility/2006" xmlns:p14="http://schemas.microsoft.com/office/powerpoint/2010/main" xmlns:p15="http://schemas.microsoft.com/office/powerpoint/2012/main" xmlns:pr="smNativeData" xmlns="smNativeData" val="SMDATA_16_xzE7ZxMAAAAlAAAAZAAAAA0AAAAAkAAAAEgAAACQAAAASAAAAAAAAAAAAAAAAAAAAAEAAABQAAAAAAAAAAAA4D8AAAAAAADgPwAAAAAAAOA/AAAAAAAA4D8AAAAAAADgPwAAAAAAAOA/AAAAAAAA4D8AAAAAAADgPwAAAAAAAOA/AAAAAAAA4D8CAAAAjAAAAAAAAAAAAAAA////AP///wgAAAAAAAAAAAAAAAAAAAAAAAAAAAAAAAAAAAAAeAAAAAEAAABAAAAAAAAAAAAAAABaAAAAAAAAAAAAAAAAAAAAAAAAAAAAAAAAAAAAAAAAAAAAAAAAAAAAAAAAAAAAAAAAAAAAAAAAAAAAAAAAAAAAAAAAAAAAAAAAAAAAFAAAADwAAAAAAAAAAAAAAAAAAAAPAAAAAQAAACMAAAAjAAAAIwAAAB4AAAAAAAAAZAAAAGQAAAAAAAAAZAAAAGQAAAAVAAAAYAAAAAAAAAAAAAAADwAAACADAAAAAAAAAAAAAAEAAACgMgAAVgcAAKr4//8BAAAAf39/AAEAAABkAAAAAAAAABQAAABAHwAAAAAAACYAAAAAAAAAwOD//wAAAAAmAAAAZAAAABYAAABMAAAAAAAAAAAAAAAEAAAAAAAAAAEAAADn5uYKAAAAACgAAAAoAAAAZAAAAGQAAAAAAAAAzMzMAAAAAABQAAAAUAAAAGQAAABkAAAAAAAAABcAAAAUAAAAAAAAAAAAAAD/fwAA/38AAAAAAAAJAAAABAAAAAAAAAAeAAAAaAAAAAAAAAAAAAAAAAAAAAAAAAAAAAAAECcAABAnAAAAAAAAAAAAAAAAAAAAAAAAAAAAAAAAAAAAAAAAAAAAABQAAAAAAAAAwMD/AAAAAABkAAAAMgAAAAAAAABkAAAAAAAAAH9/fwAKAAAAIgAAABgAAAAAAAAAAAAAAAAAAAAAAAAAAAAAAAAAAAAkAAAAJAAAAAAAAAAHAAAAAAAAAAAAAAAAAAAAAAAAAAAAAAAAAAAAf39/ACUAAABYAAAAAAAAAAAAAAAAAAAAAAAAAAAAAAAAAAAAAAAAAAAAAAAAAAAAAAAAAAAAAAA/AAAAAAAAAKCGAQAAAAAAAAAAAAAAAAAMAAAAAQAAAAAAAAAAAAAAAAAAAB8AAABUAAAA////AAAAAAEAAAAAAAAAAAAAAAAAAAAAAAAAAAAAAAAAAAAAAAAAAAAAAAB/f38AAAAAA8zMzADAwP8Af39/AAAAAAAAAAAAAAAAAAAAAAAAAAAAIQAAABgAAAAUAAAAKAUAADsLAADYRQAAACYAABAAAAAmAAAACAAAAD8vAAAAAAAAMAAAABQAAAAAAAAAAAD//wAAAQAAAP//AAABAA=="/>
               </a:ext>
             </a:extLst>
           </p:cNvSpPr>
@@ -4435,7 +4292,7 @@
             <a:spLocks noGrp="1" noChangeArrowheads="1"/>
             <a:extLst>
               <a:ext uri="smNativeData">
-                <pr:smNativeData xmlns:pr="smNativeData" xmlns="smNativeData" val="SMDATA_16_xzE7ZxMAAAAlAAAAZAAAAA0AAAAAkAAAAEgAAACQAAAASAAAAAAAAAABAAAAAAAAAAEAAABQAAAAAAAAAAAA4D8AAAAAAADgPwAAAAAAAOA/AAAAAAAA4D8AAAAAAADgPwAAAAAAAOA/AAAAAAAA4D8AAAAAAADgPwAAAAAAAOA/AAAAAAAA4D8CAAAAjAAAAAAAAAAAAAAA////AP///wgAAAAAAAAAAAAAAAAAAAAAAAAAAAAAAAAAAAAAeAAAAAEAAABAAAAAAAAAAAAAAABaAAAAAAAAAAAAAAAAAAAAAAAAAAAAAAAAAAAAAAAAAAAAAAAAAAAAAAAAAAAAAAAAAAAAAAAAAAAAAAAAAAAAAAAAAAAAAAAAAAAAFAAAADwAAAAAAAAAAAAAAAAAAAAPAAAAAQAAACMAAAAjAAAAIwAAAB4AAAAAAAAAZAAAAGQAAAAAAAAAZAAAAGQAAAAVAAAAYAAAAAAAAAAAAAAADwAAACADAAAAAAAAAAAAAAEAAACgMgAAVgcAAKr4//8BAAAAf39/AAEAAABkAAAAAAAAABQAAABAHwAAAAAAACYAAAAAAAAAwOD//wAAAAAmAAAAZAAAABYAAABMAAAAAAAAAAAAAAAEAAAAAAAAAAEAAADn5uYKAAAAACgAAAAoAAAAZAAAAGQAAAAAAAAAzMzMAAAAAABQAAAAUAAAAGQAAABkAAAAAAAAABcAAAAUAAAAAAAAAAAAAAD/fwAA/38AAAAAAAAJAAAABAAAAHiYZxAeAAAAaAAAAAAAAAAAAAAAAAAAAAAAAAAAAAAAECcAABAnAAAAAAAAAAAAAAAAAAAAAAAAAAAAAAAAAAAAAAAAAAAAABQAAAAAAAAAwMD/AAAAAABkAAAAMgAAAAAAAABkAAAAAAAAAH9/fwAKAAAAIgAAABgAAAAAAAAAAAAAAAAAAAAAAAAAAAAAAAAAAAAkAAAAJAAAAAAAAAAHAAAAAAAAAAAAAAAAAAAAAAAAAAAAAAAAAAAAf39/ACUAAABYAAAAAAAAAAAAAAAAAAAAAAAAAAAAAAAAAAAAAAAAAAAAAAAAAAAAAAAAAAAAAAA/AAAAAAAAAKCGAQAAAAAAAAAAAAAAAAAMAAAAAQAAAAAAAAAAAAAAAAAAAB8AAABUAAAA////AAAAAAEAAAAAAAAAAAAAAAAAAAAAAAAAAAAAAAAAAAAAAAAAAAAAAAB/f38AAAAAA8zMzADAwP8Af39/AAAAAAAAAAAAAAAAAAAAAAAAAAAAIQAAABgAAAAUAAAAKAUAABonAAAIFgAAWSkAABAAAAAmAAAACAAAAL+PAAAAAAAAMAAAABQAAAAAAAAAAAD//wAAAQAAAP//AAABAA=="/>
+                <pr:smNativeData xmlns:mc="http://schemas.openxmlformats.org/markup-compatibility/2006" xmlns:p14="http://schemas.microsoft.com/office/powerpoint/2010/main" xmlns:p15="http://schemas.microsoft.com/office/powerpoint/2012/main" xmlns:pr="smNativeData" xmlns="smNativeData" val="SMDATA_16_xzE7ZxMAAAAlAAAAZAAAAA0AAAAAkAAAAEgAAACQAAAASAAAAAAAAAABAAAAAAAAAAEAAABQAAAAAAAAAAAA4D8AAAAAAADgPwAAAAAAAOA/AAAAAAAA4D8AAAAAAADgPwAAAAAAAOA/AAAAAAAA4D8AAAAAAADgPwAAAAAAAOA/AAAAAAAA4D8CAAAAjAAAAAAAAAAAAAAA////AP///wgAAAAAAAAAAAAAAAAAAAAAAAAAAAAAAAAAAAAAeAAAAAEAAABAAAAAAAAAAAAAAABaAAAAAAAAAAAAAAAAAAAAAAAAAAAAAAAAAAAAAAAAAAAAAAAAAAAAAAAAAAAAAAAAAAAAAAAAAAAAAAAAAAAAAAAAAAAAAAAAAAAAFAAAADwAAAAAAAAAAAAAAAAAAAAPAAAAAQAAACMAAAAjAAAAIwAAAB4AAAAAAAAAZAAAAGQAAAAAAAAAZAAAAGQAAAAVAAAAYAAAAAAAAAAAAAAADwAAACADAAAAAAAAAAAAAAEAAACgMgAAVgcAAKr4//8BAAAAf39/AAEAAABkAAAAAAAAABQAAABAHwAAAAAAACYAAAAAAAAAwOD//wAAAAAmAAAAZAAAABYAAABMAAAAAAAAAAAAAAAEAAAAAAAAAAEAAADn5uYKAAAAACgAAAAoAAAAZAAAAGQAAAAAAAAAzMzMAAAAAABQAAAAUAAAAGQAAABkAAAAAAAAABcAAAAUAAAAAAAAAAAAAAD/fwAA/38AAAAAAAAJAAAABAAAAHiYZxAeAAAAaAAAAAAAAAAAAAAAAAAAAAAAAAAAAAAAECcAABAnAAAAAAAAAAAAAAAAAAAAAAAAAAAAAAAAAAAAAAAAAAAAABQAAAAAAAAAwMD/AAAAAABkAAAAMgAAAAAAAABkAAAAAAAAAH9/fwAKAAAAIgAAABgAAAAAAAAAAAAAAAAAAAAAAAAAAAAAAAAAAAAkAAAAJAAAAAAAAAAHAAAAAAAAAAAAAAAAAAAAAAAAAAAAAAAAAAAAf39/ACUAAABYAAAAAAAAAAAAAAAAAAAAAAAAAAAAAAAAAAAAAAAAAAAAAAAAAAAAAAAAAAAAAAA/AAAAAAAAAKCGAQAAAAAAAAAAAAAAAAAMAAAAAQAAAAAAAAAAAAAAAAAAAB8AAABUAAAA////AAAAAAEAAAAAAAAAAAAAAAAAAAAAAAAAAAAAAAAAAAAAAAAAAAAAAAB/f38AAAAAA8zMzADAwP8Af39/AAAAAAAAAAAAAAAAAAAAAAAAAAAAIQAAABgAAAAUAAAAKAUAABonAAAIFgAAWSkAABAAAAAmAAAACAAAAL+PAAAAAAAAMAAAABQAAAAAAAAAAAD//wAAAQAAAP//AAABAA=="/>
               </a:ext>
             </a:extLst>
           </p:cNvSpPr>
@@ -4496,8 +4353,9 @@
               <a:defRPr lang="ru-ru"/>
             </a:pPr>
             <a:fld id="{3BC5EB64-2AD6-901D-987D-DC48A5336E89}" type="datetime1">
-              <a:t/>
+              <a:t>20.11.2024</a:t>
             </a:fld>
+            <a:endParaRPr/>
           </a:p>
         </p:txBody>
       </p:sp>
@@ -4508,7 +4366,7 @@
             <a:spLocks noGrp="1" noChangeArrowheads="1"/>
             <a:extLst>
               <a:ext uri="smNativeData">
-                <pr:smNativeData xmlns:pr="smNativeData" xmlns="smNativeData" val="SMDATA_16_xzE7ZxMAAAAlAAAAZAAAAA0AAAAAkAAAAEgAAACQAAAASAAAAAAAAAABAAAAAAAAAAEAAABQAAAAAAAAAAAA4D8AAAAAAADgPwAAAAAAAOA/AAAAAAAA4D8AAAAAAADgPwAAAAAAAOA/AAAAAAAA4D8AAAAAAADgPwAAAAAAAOA/AAAAAAAA4D8CAAAAjAAAAAAAAAAAAAAA////AP///wgAAAAAAAAAAAAAAAAAAAAAAAAAAAAAAAAAAAAAeAAAAAEAAABAAAAAAAAAAAAAAABaAAAAAAAAAAAAAAAAAAAAAAAAAAAAAAAAAAAAAAAAAAAAAAAAAAAAAAAAAAAAAAAAAAAAAAAAAAAAAAAAAAAAAAAAAAAAAAAAAAAAFAAAADwAAAAAAAAAAAAAAAAAAAAPAAAAAQAAACMAAAAjAAAAIwAAAB4AAAAAAAAAZAAAAGQAAAAAAAAAZAAAAGQAAAAVAAAAYAAAAAAAAAAAAAAADwAAACADAAAAAAAAAAAAAAEAAACgMgAAVgcAAKr4//8BAAAAf39/AAEAAABkAAAAAAAAABQAAABAHwAAAAAAACYAAAAAAAAAwOD//wAAAAAmAAAAZAAAABYAAABMAAAAAAAAAAAAAAAEAAAAAAAAAAEAAADn5uYKAAAAACgAAAAoAAAAZAAAAGQAAAAAAAAAzMzMAAAAAABQAAAAUAAAAGQAAABkAAAAAAAAABcAAAAUAAAAAAAAAAAAAAD/fwAA/38AAAAAAAAJAAAABAAAAGwAZQAeAAAAaAAAAAAAAAAAAAAAAAAAAAAAAAAAAAAAECcAABAnAAAAAAAAAAAAAAAAAAAAAAAAAAAAAAAAAAAAAAAAAAAAABQAAAAAAAAAwMD/AAAAAABkAAAAMgAAAAAAAABkAAAAAAAAAH9/fwAKAAAAIgAAABgAAAAAAAAAAAAAAAAAAAAAAAAAAAAAAAAAAAAkAAAAJAAAAAAAAAAHAAAAAAAAAAAAAAAAAAAAAAAAAAAAAAAAAAAAf39/ACUAAABYAAAAAAAAAAAAAAAAAAAAAAAAAAAAAAAAAAAAAAAAAAAAAAAAAAAAAAAAAAAAAAA/AAAAAAAAAKCGAQAAAAAAAAAAAAAAAAAMAAAAAQAAAAAAAAAAAAAAAAAAAB8AAABUAAAA////AAAAAAEAAAAAAAAAAAAAAAAAAAAAAAAAAAAAAAAAAAAAAAAAAAAAAAB/f38AAAAAA8zMzADAwP8Af39/AAAAAAAAAAAAAAAAAAAAAAAAAAAAIQAAABgAAAAUAAAA2BgAABonAAAoMgAAWSkAABAAAAAmAAAACAAAAL+PAAAAAAAAMAAAABQAAAAAAAAAAAD//wAAAQAAAP//AAABAA=="/>
+                <pr:smNativeData xmlns:mc="http://schemas.openxmlformats.org/markup-compatibility/2006" xmlns:p14="http://schemas.microsoft.com/office/powerpoint/2010/main" xmlns:p15="http://schemas.microsoft.com/office/powerpoint/2012/main" xmlns:pr="smNativeData" xmlns="smNativeData" val="SMDATA_16_xzE7ZxMAAAAlAAAAZAAAAA0AAAAAkAAAAEgAAACQAAAASAAAAAAAAAABAAAAAAAAAAEAAABQAAAAAAAAAAAA4D8AAAAAAADgPwAAAAAAAOA/AAAAAAAA4D8AAAAAAADgPwAAAAAAAOA/AAAAAAAA4D8AAAAAAADgPwAAAAAAAOA/AAAAAAAA4D8CAAAAjAAAAAAAAAAAAAAA////AP///wgAAAAAAAAAAAAAAAAAAAAAAAAAAAAAAAAAAAAAeAAAAAEAAABAAAAAAAAAAAAAAABaAAAAAAAAAAAAAAAAAAAAAAAAAAAAAAAAAAAAAAAAAAAAAAAAAAAAAAAAAAAAAAAAAAAAAAAAAAAAAAAAAAAAAAAAAAAAAAAAAAAAFAAAADwAAAAAAAAAAAAAAAAAAAAPAAAAAQAAACMAAAAjAAAAIwAAAB4AAAAAAAAAZAAAAGQAAAAAAAAAZAAAAGQAAAAVAAAAYAAAAAAAAAAAAAAADwAAACADAAAAAAAAAAAAAAEAAACgMgAAVgcAAKr4//8BAAAAf39/AAEAAABkAAAAAAAAABQAAABAHwAAAAAAACYAAAAAAAAAwOD//wAAAAAmAAAAZAAAABYAAABMAAAAAAAAAAAAAAAEAAAAAAAAAAEAAADn5uYKAAAAACgAAAAoAAAAZAAAAGQAAAAAAAAAzMzMAAAAAABQAAAAUAAAAGQAAABkAAAAAAAAABcAAAAUAAAAAAAAAAAAAAD/fwAA/38AAAAAAAAJAAAABAAAAGwAZQAeAAAAaAAAAAAAAAAAAAAAAAAAAAAAAAAAAAAAECcAABAnAAAAAAAAAAAAAAAAAAAAAAAAAAAAAAAAAAAAAAAAAAAAABQAAAAAAAAAwMD/AAAAAABkAAAAMgAAAAAAAABkAAAAAAAAAH9/fwAKAAAAIgAAABgAAAAAAAAAAAAAAAAAAAAAAAAAAAAAAAAAAAAkAAAAJAAAAAAAAAAHAAAAAAAAAAAAAAAAAAAAAAAAAAAAAAAAAAAAf39/ACUAAABYAAAAAAAAAAAAAAAAAAAAAAAAAAAAAAAAAAAAAAAAAAAAAAAAAAAAAAAAAAAAAAA/AAAAAAAAAKCGAQAAAAAAAAAAAAAAAAAMAAAAAQAAAAAAAAAAAAAAAAAAAB8AAABUAAAA////AAAAAAEAAAAAAAAAAAAAAAAAAAAAAAAAAAAAAAAAAAAAAAAAAAAAAAB/f38AAAAAA8zMzADAwP8Af39/AAAAAAAAAAAAAAAAAAAAAAAAAAAAIQAAABgAAAAUAAAA2BgAABonAAAoMgAAWSkAABAAAAAmAAAACAAAAL+PAAAAAAAAMAAAABQAAAAAAAAAAAD//wAAAQAAAP//AAABAA=="/>
               </a:ext>
             </a:extLst>
           </p:cNvSpPr>
@@ -4568,6 +4426,7 @@
             <a:pPr>
               <a:defRPr lang="ru-ru"/>
             </a:pPr>
+            <a:endParaRPr/>
           </a:p>
         </p:txBody>
       </p:sp>
@@ -4578,7 +4437,7 @@
             <a:spLocks noGrp="1" noChangeArrowheads="1"/>
             <a:extLst>
               <a:ext uri="smNativeData">
-                <pr:smNativeData xmlns:pr="smNativeData" xmlns="smNativeData" val="SMDATA_16_xzE7ZxMAAAAlAAAAZAAAAA0AAAAAkAAAAEgAAACQAAAASAAAAAAAAAABAAAAAAAAAAEAAABQAAAAAAAAAAAA4D8AAAAAAADgPwAAAAAAAOA/AAAAAAAA4D8AAAAAAADgPwAAAAAAAOA/AAAAAAAA4D8AAAAAAADgPwAAAAAAAOA/AAAAAAAA4D8CAAAAjAAAAAAAAAAAAAAA////AP///wgAAAAAAAAAAAAAAAAAAAAAAAAAAAAAAAAAAAAAeAAAAAEAAABAAAAAAAAAAAAAAABaAAAAAAAAAAAAAAAAAAAAAAAAAAAAAAAAAAAAAAAAAAAAAAAAAAAAAAAAAAAAAAAAAAAAAAAAAAAAAAAAAAAAAAAAAAAAAAAAAAAAFAAAADwAAAAAAAAAAAAAAAAAAAAPAAAAAQAAACMAAAAjAAAAIwAAAB4AAAAAAAAAZAAAAGQAAAAAAAAAZAAAAGQAAAAVAAAAYAAAAAAAAAAAAAAADwAAACADAAAAAAAAAAAAAAEAAACgMgAAVgcAAKr4//8BAAAAf39/AAEAAABkAAAAAAAAABQAAABAHwAAAAAAACYAAAAAAAAAwOD//wAAAAAmAAAAZAAAABYAAABMAAAAAAAAAAAAAAAEAAAAAAAAAAEAAADn5uYKAAAAACgAAAAoAAAAZAAAAGQAAAAAAAAAzMzMAAAAAABQAAAAUAAAAGQAAABkAAAAAAAAABcAAAAUAAAAAAAAAAAAAAD/fwAA/38AAAAAAAAJAAAABAAAAAAAAAAeAAAAaAAAAAAAAAAAAAAAAAAAAAAAAAAAAAAAECcAABAnAAAAAAAAAAAAAAAAAAAAAAAAAAAAAAAAAAAAAAAAAAAAABQAAAAAAAAAwMD/AAAAAABkAAAAMgAAAAAAAABkAAAAAAAAAH9/fwAKAAAAIgAAABgAAAAAAAAAAAAAAAAAAAAAAAAAAAAAAAAAAAAkAAAAJAAAAAAAAAAHAAAAAAAAAAAAAAAAAAAAAAAAAAAAAAAAAAAAf39/ACUAAABYAAAAAAAAAAAAAAAAAAAAAAAAAAAAAAAAAAAAAAAAAAAAAAAAAAAAAAAAAAAAAAA/AAAAAAAAAKCGAQAAAAAAAAAAAAAAAAAMAAAAAQAAAAAAAAAAAAAAAAAAAB8AAABUAAAA////AAAAAAEAAAAAAAAAAAAAAAAAAAAAAAAAAAAAAAAAAAAAAAAAAAAAAAB/f38AAAAAA8zMzADAwP8Af39/AAAAAAAAAAAAAAAAAAAAAAAAAAAAIQAAABgAAAAUAAAA+DQAABonAADYRQAAWSkAABAAAAAmAAAACAAAAL+PAAAAAAAAMAAAABQAAAAAAAAAAAD//wAAAQAAAP//AAABAA=="/>
+                <pr:smNativeData xmlns:mc="http://schemas.openxmlformats.org/markup-compatibility/2006" xmlns:p14="http://schemas.microsoft.com/office/powerpoint/2010/main" xmlns:p15="http://schemas.microsoft.com/office/powerpoint/2012/main" xmlns:pr="smNativeData" xmlns="smNativeData" val="SMDATA_16_xzE7ZxMAAAAlAAAAZAAAAA0AAAAAkAAAAEgAAACQAAAASAAAAAAAAAABAAAAAAAAAAEAAABQAAAAAAAAAAAA4D8AAAAAAADgPwAAAAAAAOA/AAAAAAAA4D8AAAAAAADgPwAAAAAAAOA/AAAAAAAA4D8AAAAAAADgPwAAAAAAAOA/AAAAAAAA4D8CAAAAjAAAAAAAAAAAAAAA////AP///wgAAAAAAAAAAAAAAAAAAAAAAAAAAAAAAAAAAAAAeAAAAAEAAABAAAAAAAAAAAAAAABaAAAAAAAAAAAAAAAAAAAAAAAAAAAAAAAAAAAAAAAAAAAAAAAAAAAAAAAAAAAAAAAAAAAAAAAAAAAAAAAAAAAAAAAAAAAAAAAAAAAAFAAAADwAAAAAAAAAAAAAAAAAAAAPAAAAAQAAACMAAAAjAAAAIwAAAB4AAAAAAAAAZAAAAGQAAAAAAAAAZAAAAGQAAAAVAAAAYAAAAAAAAAAAAAAADwAAACADAAAAAAAAAAAAAAEAAACgMgAAVgcAAKr4//8BAAAAf39/AAEAAABkAAAAAAAAABQAAABAHwAAAAAAACYAAAAAAAAAwOD//wAAAAAmAAAAZAAAABYAAABMAAAAAAAAAAAAAAAEAAAAAAAAAAEAAADn5uYKAAAAACgAAAAoAAAAZAAAAGQAAAAAAAAAzMzMAAAAAABQAAAAUAAAAGQAAABkAAAAAAAAABcAAAAUAAAAAAAAAAAAAAD/fwAA/38AAAAAAAAJAAAABAAAAAAAAAAeAAAAaAAAAAAAAAAAAAAAAAAAAAAAAAAAAAAAECcAABAnAAAAAAAAAAAAAAAAAAAAAAAAAAAAAAAAAAAAAAAAAAAAABQAAAAAAAAAwMD/AAAAAABkAAAAMgAAAAAAAABkAAAAAAAAAH9/fwAKAAAAIgAAABgAAAAAAAAAAAAAAAAAAAAAAAAAAAAAAAAAAAAkAAAAJAAAAAAAAAAHAAAAAAAAAAAAAAAAAAAAAAAAAAAAAAAAAAAAf39/ACUAAABYAAAAAAAAAAAAAAAAAAAAAAAAAAAAAAAAAAAAAAAAAAAAAAAAAAAAAAAAAAAAAAA/AAAAAAAAAKCGAQAAAAAAAAAAAAAAAAAMAAAAAQAAAAAAAAAAAAAAAAAAAB8AAABUAAAA////AAAAAAEAAAAAAAAAAAAAAAAAAAAAAAAAAAAAAAAAAAAAAAAAAAAAAAB/f38AAAAAA8zMzADAwP8Af39/AAAAAAAAAAAAAAAAAAAAAAAAAAAAIQAAABgAAAAUAAAA+DQAABonAADYRQAAWSkAABAAAAAmAAAACAAAAL+PAAAAAAAAMAAAABQAAAAAAAAAAAD//wAAAQAAAP//AAABAA=="/>
               </a:ext>
             </a:extLst>
           </p:cNvSpPr>
@@ -4639,8 +4498,9 @@
               <a:defRPr lang="ru-ru"/>
             </a:pPr>
             <a:fld id="{3BC5F43E-70D6-9002-987D-8657BA336ED3}" type="slidenum">
-              <a:t/>
+              <a:t>‹#›</a:t>
             </a:fld>
+            <a:endParaRPr/>
           </a:p>
         </p:txBody>
       </p:sp>
@@ -5294,7 +5154,7 @@
 </file>
 
 <file path=ppt/slides/slide1.xml><?xml version="1.0" encoding="utf-8"?>
-<p:sld xmlns:p="http://schemas.openxmlformats.org/presentationml/2006/main" xmlns:mc="http://schemas.openxmlformats.org/markup-compatibility/2006" xmlns:p14="http://schemas.microsoft.com/office/powerpoint/2010/main" xmlns:p15="http://schemas.microsoft.com/office/powerpoint/2012/main" xmlns:r="http://schemas.openxmlformats.org/officeDocument/2006/relationships" xmlns:a="http://schemas.openxmlformats.org/drawingml/2006/main" mc:Ignorable="p14">
+<p:sld xmlns:a="http://schemas.openxmlformats.org/drawingml/2006/main" xmlns:r="http://schemas.openxmlformats.org/officeDocument/2006/relationships" xmlns:p="http://schemas.openxmlformats.org/presentationml/2006/main">
   <p:cSld>
     <p:spTree>
       <p:nvGrpSpPr>
@@ -5317,7 +5177,7 @@
             <a:picLocks noChangeAspect="1"/>
             <a:extLst>
               <a:ext uri="smNativeData">
-                <pr:smNativeData xmlns:pr="smNativeData" xmlns="smNativeData" val="SMDATA_18_xzE7ZxMAAAAlAAAAEQAAAC8BAAAAkAAAAEgAAACQAAAASAAAAAAAAAAAAAAAAAAAAAEAAABQAAAAAAAAAAAA4D8AAAAAAADgPwAAAAAAAOA/AAAAAAAA4D8AAAAAAADgPwAAAAAAAOA/AAAAAAAA4D8AAAAAAADgPwAAAAAAAOA/AAAAAAAA4D8CAAAAjAAAAAAAAAAAAAAARHLEDP///wgAAAAAAAAAAAAAAAAAAAAAAAAAAAAAAAAAAAAAZAAAAAEAAABAAAAAAAAAAAAAAAAAAAAAAAAAAAAAAAAAAAAAAAAAAAAAAAAAAAAAAAAAAAAAAAAAAAAAAAAAAAAAAAAAAAAAAAAAAAAAAAAAAAAAAAAAAAAAAAAAAAAAFAAAADwAAAAAAAAAAAAAAAAAAAkUAAAAAQAAABQAAAAUAAAAFAAAAAEAAAAAAAAAZAAAAGQAAAAAAAAAZAAAAGQAAAAVAAAAYAAAAAAAAAAAAAAADwAAACADAAAAAAAAAAAAAAEAAACgMgAAVgcAAKr4//8BAAAAf39/AAEAAABkAAAAAAAAABQAAABAHwAAAAAAACYAAAAAAAAAwOD//wAAAAAmAAAAZAAAABYAAABMAAAAAAAAAAAAAAAEAAAAAAAAAAEAAADn5uYKAAAAACgAAAAoAAAAZAAAAGQAAAAAAAAAzMzMAAAAAABQAAAAUAAAAGQAAABkAAAAAAAAAAcAAAA4AAAAAAAAAAAAAAAAAAAA////AAAAAAAAAAAAAAAAAAAAAAAAAAAAAAAAAAAAAABkAAAAZAAAAAAAAAAjAAAABAAAAGQAAAAXAAAAFAAAAAAAAAAAAAAA/38AAP9/AAAAAAAACQAAAAQAAAAAAAAAHgAAAGgAAAAAAAAAAAAAAAAAAAAAAAAAAAAAABAnAAAQJwAAAAAAAAAAAAAAAAAAAAAAAAAAAAAAAAAAAAAAAAAAAAAUAAAAAAAAAMDA/wAAAAAAZAAAADIAAAAAAAAAZAAAAAAAAAB/f38ACgAAACIAAAAYAAAAAAAAAAAAAAAAAAAAAAAAAAAAAAAAAAAAJAAAACQAAAAAAAAABwAAAAAAAAAAAAAAAAAAAAAAAAAAAAAAAAAAAH9/fwAlAAAAWAAAAAAAAAAAAAAAAAAAAAAAAAAAAAAAAAAAAAAAAAAAAAAAAAAAAAAAAAAAAAAAPwAAAAAAAACghgEAAAAAAAAAAAAAAAAADAAAAAEAAAAAAAAAAAAAAAAAAAAfAAAAVAAAAERyxAX///8BAAAAAAAAAAAAAAAAAAAAAAAAAAAAAAAAAAAAAAAAAAAAAAACf39/AOfm5gPMzMwAwMD/AH9/fwAAAAAAAAAAAAAAAAD///8AAAAAACEAAAAYAAAAFAAAAN4FAAAdFwAAlRcAAEMhAAAQAAAAJgAAAAgAAAD//////////zAAAAAUAAAAAAAAAAAA//8AAAEAAAD//wAAAQA="/>
+                <pr:smNativeData xmlns:mc="http://schemas.openxmlformats.org/markup-compatibility/2006" xmlns:p14="http://schemas.microsoft.com/office/powerpoint/2010/main" xmlns:p15="http://schemas.microsoft.com/office/powerpoint/2012/main" xmlns:pr="smNativeData" xmlns="smNativeData" val="SMDATA_18_xzE7ZxMAAAAlAAAAEQAAAC8BAAAAkAAAAEgAAACQAAAASAAAAAAAAAAAAAAAAAAAAAEAAABQAAAAAAAAAAAA4D8AAAAAAADgPwAAAAAAAOA/AAAAAAAA4D8AAAAAAADgPwAAAAAAAOA/AAAAAAAA4D8AAAAAAADgPwAAAAAAAOA/AAAAAAAA4D8CAAAAjAAAAAAAAAAAAAAARHLEDP///wgAAAAAAAAAAAAAAAAAAAAAAAAAAAAAAAAAAAAAZAAAAAEAAABAAAAAAAAAAAAAAAAAAAAAAAAAAAAAAAAAAAAAAAAAAAAAAAAAAAAAAAAAAAAAAAAAAAAAAAAAAAAAAAAAAAAAAAAAAAAAAAAAAAAAAAAAAAAAAAAAAAAAFAAAADwAAAAAAAAAAAAAAAAAAAkUAAAAAQAAABQAAAAUAAAAFAAAAAEAAAAAAAAAZAAAAGQAAAAAAAAAZAAAAGQAAAAVAAAAYAAAAAAAAAAAAAAADwAAACADAAAAAAAAAAAAAAEAAACgMgAAVgcAAKr4//8BAAAAf39/AAEAAABkAAAAAAAAABQAAABAHwAAAAAAACYAAAAAAAAAwOD//wAAAAAmAAAAZAAAABYAAABMAAAAAAAAAAAAAAAEAAAAAAAAAAEAAADn5uYKAAAAACgAAAAoAAAAZAAAAGQAAAAAAAAAzMzMAAAAAABQAAAAUAAAAGQAAABkAAAAAAAAAAcAAAA4AAAAAAAAAAAAAAAAAAAA////AAAAAAAAAAAAAAAAAAAAAAAAAAAAAAAAAAAAAABkAAAAZAAAAAAAAAAjAAAABAAAAGQAAAAXAAAAFAAAAAAAAAAAAAAA/38AAP9/AAAAAAAACQAAAAQAAAAAAAAAHgAAAGgAAAAAAAAAAAAAAAAAAAAAAAAAAAAAABAnAAAQJwAAAAAAAAAAAAAAAAAAAAAAAAAAAAAAAAAAAAAAAAAAAAAUAAAAAAAAAMDA/wAAAAAAZAAAADIAAAAAAAAAZAAAAAAAAAB/f38ACgAAACIAAAAYAAAAAAAAAAAAAAAAAAAAAAAAAAAAAAAAAAAAJAAAACQAAAAAAAAABwAAAAAAAAAAAAAAAAAAAAAAAAAAAAAAAAAAAH9/fwAlAAAAWAAAAAAAAAAAAAAAAAAAAAAAAAAAAAAAAAAAAAAAAAAAAAAAAAAAAAAAAAAAAAAAPwAAAAAAAACghgEAAAAAAAAAAAAAAAAADAAAAAEAAAAAAAAAAAAAAAAAAAAfAAAAVAAAAERyxAX///8BAAAAAAAAAAAAAAAAAAAAAAAAAAAAAAAAAAAAAAAAAAAAAAACf39/AOfm5gPMzMwAwMD/AH9/fwAAAAAAAAAAAAAAAAD///8AAAAAACEAAAAYAAAAFAAAAN4FAAAdFwAAlRcAAEMhAAAQAAAAJgAAAAgAAAD//////////zAAAAAUAAAAAAAAAAAA//8AAAEAAAD//wAAAQA="/>
               </a:ext>
             </a:extLst>
           </p:cNvPicPr>
@@ -5351,7 +5211,7 @@
             <a:picLocks noChangeAspect="1"/>
             <a:extLst>
               <a:ext uri="smNativeData">
-                <pr:smNativeData xmlns:pr="smNativeData" xmlns="smNativeData" val="SMDATA_18_xzE7ZxMAAAAlAAAAEQAAAC0AAAAAkAAAAEgAAACQAAAASAAAAAAAAAAAAAAAAAAAAAEAAABQAAAAAAAAAAAA4D8AAAAAAADgPwAAAAAAAOA/AAAAAAAA4D8AAAAAAADgPwAAAAAAAOA/AAAAAAAA4D8AAAAAAADgPwAAAAAAAOA/AAAAAAAA4D8CAAAAjAAAAAAAAAAAAAAA////AAAAAAAAAAAAAAAAAAAAAAAAAAAAAAAAAAAAAAAAAAAAZAAAAAEAAABAAAAAAAAAAAAAAAAAAAAAAAAAAAAAAAAAAAAAAAAAAAAAAAAAAAAAAAAAAAAAAAAAAAAAAAAAAAAAAAAAAAAAAAAAAAAAAAAAAAAAAAAAAAAAAAAAAAAAFAAAADwAAAAAAAAAAAAAAAAAAAAPAAAAAQAAACMAAAAjAAAAIwAAAB4AAAAAAAAAZAAAAGQAAAAAAAAAZAAAAGQAAAAVAAAAYAAAAAAAAAAAAAAADwAAACADAAAAAAAAAAAAAAEAAACgMgAAVgcAAKr4//8BAAAAf39/AAEAAABkAAAAAAAAABQAAABAHwAAAAAAACYAAAAAAAAAwOD//wAAAAAmAAAAZAAAABYAAABMAAAAAAAAAAAAAAAEAAAAAAAAAAEAAAB/f38AAAAAACgAAAAoAAAAZAAAAGQAAAAAAAAAzMzMAAAAAABQAAAAUAAAAGQAAABkAAAAAAAAAAcAAAA4AAAAAAAAAAAAAAAAAAAA////AAAAAAAAAAAAAAAAAAAAAAAAAAAAAAAAAAAAAABkAAAAZAAAAAAAAAAjAAAABAAAAGQAAAAXAAAAFAAAAAAAAAAAAAAA/38AAP9/AAAAAAAACQAAAAQAAAAAAAAAHgAAAGgAAAAAAAAAAAAAAAAAAAAAAAAAAAAAABAnAAAQJwAAAAAAAAAAAAAAAAAAAAAAAAAAAAAAAAAAAAAAAAAAAAAUAAAAAAAAAMDA/wAAAAAAZAAAADIAAAAAAAAAZAAAAAAAAAB/f38ACgAAACIAAAAYAAAAAAAAAAAAAAAAAAAAAAAAAAAAAAAAAAAAJAAAACQAAAAAAAAABwAAAAAAAAAAAAAAAAAAAAAAAAAAAAAAAAAAAH9/fwAlAAAAWAAAAAAAAAAAAAAAAAAAAAAAAAAAAAAAAAAAAAAAAAAAAAAAAAAAAAAAAAAAAAAAPwAAAAAAAACghgEAAAAAAAAAAAAAAAAADAAAAAEAAAAAAAAAAAAAAAAAAAAfAAAAVAAAAP///wAAAAAAAAAAAAAAAAAAAAAAAAAAAAAAAAAAAAAAAAAAAAAAAAAAAAAAf39/AH9/fwDMzMwAwMD/AH9/fwAAAAAAAAAAAAAAAAD///8AAAAAACEAAAAYAAAAFAAAANoFAACrAQAAbiYAALsPAAAQAAAAJgAAAAgAAAD//////////zAAAAAUAAAAAAAAAAAA//8AAAEAAAD//wAAAQA="/>
+                <pr:smNativeData xmlns:mc="http://schemas.openxmlformats.org/markup-compatibility/2006" xmlns:p14="http://schemas.microsoft.com/office/powerpoint/2010/main" xmlns:p15="http://schemas.microsoft.com/office/powerpoint/2012/main" xmlns:pr="smNativeData" xmlns="smNativeData" val="SMDATA_18_xzE7ZxMAAAAlAAAAEQAAAC0AAAAAkAAAAEgAAACQAAAASAAAAAAAAAAAAAAAAAAAAAEAAABQAAAAAAAAAAAA4D8AAAAAAADgPwAAAAAAAOA/AAAAAAAA4D8AAAAAAADgPwAAAAAAAOA/AAAAAAAA4D8AAAAAAADgPwAAAAAAAOA/AAAAAAAA4D8CAAAAjAAAAAAAAAAAAAAA////AAAAAAAAAAAAAAAAAAAAAAAAAAAAAAAAAAAAAAAAAAAAZAAAAAEAAABAAAAAAAAAAAAAAAAAAAAAAAAAAAAAAAAAAAAAAAAAAAAAAAAAAAAAAAAAAAAAAAAAAAAAAAAAAAAAAAAAAAAAAAAAAAAAAAAAAAAAAAAAAAAAAAAAAAAAFAAAADwAAAAAAAAAAAAAAAAAAAAPAAAAAQAAACMAAAAjAAAAIwAAAB4AAAAAAAAAZAAAAGQAAAAAAAAAZAAAAGQAAAAVAAAAYAAAAAAAAAAAAAAADwAAACADAAAAAAAAAAAAAAEAAACgMgAAVgcAAKr4//8BAAAAf39/AAEAAABkAAAAAAAAABQAAABAHwAAAAAAACYAAAAAAAAAwOD//wAAAAAmAAAAZAAAABYAAABMAAAAAAAAAAAAAAAEAAAAAAAAAAEAAAB/f38AAAAAACgAAAAoAAAAZAAAAGQAAAAAAAAAzMzMAAAAAABQAAAAUAAAAGQAAABkAAAAAAAAAAcAAAA4AAAAAAAAAAAAAAAAAAAA////AAAAAAAAAAAAAAAAAAAAAAAAAAAAAAAAAAAAAABkAAAAZAAAAAAAAAAjAAAABAAAAGQAAAAXAAAAFAAAAAAAAAAAAAAA/38AAP9/AAAAAAAACQAAAAQAAAAAAAAAHgAAAGgAAAAAAAAAAAAAAAAAAAAAAAAAAAAAABAnAAAQJwAAAAAAAAAAAAAAAAAAAAAAAAAAAAAAAAAAAAAAAAAAAAAUAAAAAAAAAMDA/wAAAAAAZAAAADIAAAAAAAAAZAAAAAAAAAB/f38ACgAAACIAAAAYAAAAAAAAAAAAAAAAAAAAAAAAAAAAAAAAAAAAJAAAACQAAAAAAAAABwAAAAAAAAAAAAAAAAAAAAAAAAAAAAAAAAAAAH9/fwAlAAAAWAAAAAAAAAAAAAAAAAAAAAAAAAAAAAAAAAAAAAAAAAAAAAAAAAAAAAAAAAAAAAAAPwAAAAAAAACghgEAAAAAAAAAAAAAAAAADAAAAAEAAAAAAAAAAAAAAAAAAAAfAAAAVAAAAP///wAAAAAAAAAAAAAAAAAAAAAAAAAAAAAAAAAAAAAAAAAAAAAAAAAAAAAAf39/AH9/fwDMzMwAwMD/AH9/fwAAAAAAAAAAAAAAAAD///8AAAAAACEAAAAYAAAAFAAAANoFAACrAQAAbiYAALsPAAAQAAAAJgAAAAgAAAD//////////zAAAAAUAAAAAAAAAAAA//8AAAEAAAD//wAAAQA="/>
               </a:ext>
             </a:extLst>
           </p:cNvPicPr>
@@ -5385,7 +5245,7 @@
             <a:picLocks noChangeAspect="1"/>
             <a:extLst>
               <a:ext uri="smNativeData">
-                <pr:smNativeData xmlns:pr="smNativeData" xmlns="smNativeData" val="SMDATA_18_xzE7ZxMAAAAlAAAAEQAAAC0AAAAAkAAAAEgAAACQAAAASAAAAAAAAAAAAAAAAAAAAAEAAABQAAAAAAAAAAAA4D8AAAAAAADgPwAAAAAAAOA/AAAAAAAA4D8AAAAAAADgPwAAAAAAAOA/AAAAAAAA4D8AAAAAAADgPwAAAAAAAOA/AAAAAAAA4D8CAAAAjAAAAAAAAAAAAAAA////AAAAAAAAAAAAAAAAAAAAAAAAAAAAAAAAAAAAAAAAAAAAZAAAAAEAAABAAAAAAAAAAAAAAAAAAAAAAAAAAAAAAAAAAAAAAAAAAAAAAAAAAAAAAAAAAAAAAAAAAAAAAAAAAAAAAAAAAAAAAAAAAAAAAAAAAAAAAAAAAAAAAAAAAAAAFAAAADwAAAAAAAAAAAAAAAAAAAAUAAAAAQAAABQAAAAUAAAAFAAAAAEAAAAAAAAAZAAAAGQAAAAAAAAAZAAAAGQAAAAVAAAAYAAAAAAAAAAAAAAADwAAACADAAAAAAAAAAAAAAEAAACgMgAAVgcAAKr4//8BAAAAf39/AAEAAABkAAAAAAAAABQAAABAHwAAAAAAACYAAAAAAAAAwOD//wAAAAAmAAAAZAAAABYAAABMAAAAAAAAAAAAAAAEAAAAAAAAAAEAAAB/f38AAAAAACgAAAAoAAAAZAAAAGQAAAAAAAAAzMzMAAAAAABQAAAAUAAAAGQAAABkAAAAAAAAAAcAAAA4AAAAAAAAAAAAAAAAAAAA////AAAAAAAAAAAAAAAAAAAAAAAAAAAAAAAAAAAAAABkAAAAZAAAAAAAAAAjAAAABAAAAGQAAAAXAAAAFAAAAAAAAAAAAAAA/38AAP9/AAAAAAAACQAAAAQAAAAAAAAAHgAAAGgAAAAAAAAAAAAAAAAAAAAAAAAAAAAAABAnAAAQJwAAAAAAAAAAAAAAAAAAAAAAAAAAAAAAAAAAAAAAAAAAAAAUAAAAAAAAAMDA/wAAAAAAZAAAADIAAAAAAAAAZAAAAAAAAAB/f38ACgAAACIAAAAYAAAAAAAAAAAAAAAAAAAAAAAAAAAAAAAAAAAAJAAAACQAAAAAAAAABwAAAAAAAAAAAAAAAAAAAAAAAAAAAAAAAAAAAH9/fwAlAAAAWAAAAAAAAAAAAAAAAAAAAAAAAAAAAAAAAAAAAAAAAAAAAAAAAAAAAAAAAAAAAAAAPwAAAAAAAACghgEAAAAAAAAAAAAAAAAADAAAAAEAAAAAAAAAAAAAAAAAAAAfAAAAVAAAAP///wAAAAAAAAAAAAAAAAAAAAAAAAAAAAAAAAAAAAAAAAAAAAAAAAAAAAAAf39/AH9/fwDMzMwAwMD/AH9/fwAAAAAAAAAAAAAAAAD///8AAAAAACEAAAAYAAAAFAAAALYFAAAJEgAA6goAANgVAAAQAAAAJgAAAAgAAAD//////////zAAAAAUAAAAAAAAAAAA//8AAAEAAAD//wAAAQA="/>
+                <pr:smNativeData xmlns:mc="http://schemas.openxmlformats.org/markup-compatibility/2006" xmlns:p14="http://schemas.microsoft.com/office/powerpoint/2010/main" xmlns:p15="http://schemas.microsoft.com/office/powerpoint/2012/main" xmlns:pr="smNativeData" xmlns="smNativeData" val="SMDATA_18_xzE7ZxMAAAAlAAAAEQAAAC0AAAAAkAAAAEgAAACQAAAASAAAAAAAAAAAAAAAAAAAAAEAAABQAAAAAAAAAAAA4D8AAAAAAADgPwAAAAAAAOA/AAAAAAAA4D8AAAAAAADgPwAAAAAAAOA/AAAAAAAA4D8AAAAAAADgPwAAAAAAAOA/AAAAAAAA4D8CAAAAjAAAAAAAAAAAAAAA////AAAAAAAAAAAAAAAAAAAAAAAAAAAAAAAAAAAAAAAAAAAAZAAAAAEAAABAAAAAAAAAAAAAAAAAAAAAAAAAAAAAAAAAAAAAAAAAAAAAAAAAAAAAAAAAAAAAAAAAAAAAAAAAAAAAAAAAAAAAAAAAAAAAAAAAAAAAAAAAAAAAAAAAAAAAFAAAADwAAAAAAAAAAAAAAAAAAAAUAAAAAQAAABQAAAAUAAAAFAAAAAEAAAAAAAAAZAAAAGQAAAAAAAAAZAAAAGQAAAAVAAAAYAAAAAAAAAAAAAAADwAAACADAAAAAAAAAAAAAAEAAACgMgAAVgcAAKr4//8BAAAAf39/AAEAAABkAAAAAAAAABQAAABAHwAAAAAAACYAAAAAAAAAwOD//wAAAAAmAAAAZAAAABYAAABMAAAAAAAAAAAAAAAEAAAAAAAAAAEAAAB/f38AAAAAACgAAAAoAAAAZAAAAGQAAAAAAAAAzMzMAAAAAABQAAAAUAAAAGQAAABkAAAAAAAAAAcAAAA4AAAAAAAAAAAAAAAAAAAA////AAAAAAAAAAAAAAAAAAAAAAAAAAAAAAAAAAAAAABkAAAAZAAAAAAAAAAjAAAABAAAAGQAAAAXAAAAFAAAAAAAAAAAAAAA/38AAP9/AAAAAAAACQAAAAQAAAAAAAAAHgAAAGgAAAAAAAAAAAAAAAAAAAAAAAAAAAAAABAnAAAQJwAAAAAAAAAAAAAAAAAAAAAAAAAAAAAAAAAAAAAAAAAAAAAUAAAAAAAAAMDA/wAAAAAAZAAAADIAAAAAAAAAZAAAAAAAAAB/f38ACgAAACIAAAAYAAAAAAAAAAAAAAAAAAAAAAAAAAAAAAAAAAAAJAAAACQAAAAAAAAABwAAAAAAAAAAAAAAAAAAAAAAAAAAAAAAAAAAAH9/fwAlAAAAWAAAAAAAAAAAAAAAAAAAAAAAAAAAAAAAAAAAAAAAAAAAAAAAAAAAAAAAAAAAAAAAPwAAAAAAAACghgEAAAAAAAAAAAAAAAAADAAAAAEAAAAAAAAAAAAAAAAAAAAfAAAAVAAAAP///wAAAAAAAAAAAAAAAAAAAAAAAAAAAAAAAAAAAAAAAAAAAAAAAAAAAAAAf39/AH9/fwDMzMwAwMD/AH9/fwAAAAAAAAAAAAAAAAD///8AAAAAACEAAAAYAAAAFAAAALYFAAAJEgAA6goAANgVAAAQAAAAJgAAAAgAAAD//////////zAAAAAUAAAAAAAAAAAA//8AAAEAAAD//wAAAQA="/>
               </a:ext>
             </a:extLst>
           </p:cNvPicPr>
@@ -5419,7 +5279,7 @@
             <a:picLocks noChangeAspect="1"/>
             <a:extLst>
               <a:ext uri="smNativeData">
-                <pr:smNativeData xmlns:pr="smNativeData" xmlns="smNativeData" val="SMDATA_18_xzE7ZxMAAAAlAAAAEQAAAC0AAAAAkAAAAEgAAACQAAAASAAAAAAAAAAAAAAAAAAAAAEAAABQAAAAAAAAAAAA4D8AAAAAAADgPwAAAAAAAOA/AAAAAAAA4D8AAAAAAADgPwAAAAAAAOA/AAAAAAAA4D8AAAAAAADgPwAAAAAAAOA/AAAAAAAA4D8CAAAAjAAAAAAAAAAAAAAA////AAAAAAAAAAAAAAAAAAAAAAAAAAAAAAAAAAAAAAAAAAAAZAAAAAEAAABAAAAAAAAAAAAAAAAAAAAAAAAAAAAAAAAAAAAAAAAAAAAAAAAAAAAAAAAAAAAAAAAAAAAAAAAAAAAAAAAAAAAAAAAAAAAAAAAAAAAAAAAAAAAAAAAAAAAAFAAAADwAAAAAAAAAAAAAAAAAAAAUAAAAAQAAABQAAAAUAAAAFAAAAAEAAAAAAAAAZAAAAGQAAAAAAAAAZAAAAGQAAAAVAAAAYAAAAAAAAAAAAAAADwAAACADAAAAAAAAAAAAAAEAAACgMgAAVgcAAKr4//8BAAAAf39/AAEAAABkAAAAAAAAABQAAABAHwAAAAAAACYAAAAAAAAAwOD//wAAAAAmAAAAZAAAABYAAABMAAAAAAAAAAAAAAAEAAAAAAAAAAEAAAB/f38AAAAAACgAAAAoAAAAZAAAAGQAAAAAAAAAzMzMAAAAAABQAAAAUAAAAGQAAABkAAAAAAAAAAcAAAA4AAAAAAAAAAAAAAAAAAAA////AAAAAAAAAAAAAAAAAAAAAAAAAAAAAAAAAAAAAABkAAAAZAAAAAAAAAAjAAAABAAAAGQAAAAXAAAAFAAAAAAAAAAAAAAA/38AAP9/AAAAAAAACQAAAAQAAAAAAAAAHgAAAGgAAAAAAAAAAAAAAAAAAAAAAAAAAAAAABAnAAAQJwAAAAAAAAAAAAAAAAAAAAAAAAAAAAAAAAAAAAAAAAAAAAAUAAAAAAAAAMDA/wAAAAAAZAAAADIAAAAAAAAAZAAAAAAAAAB/f38ACgAAACIAAAAYAAAAAAAAAAAAAAAAAAAAAAAAAAAAAAAAAAAAJAAAACQAAAAAAAAABwAAAAAAAAAAAAAAAAAAAAAAAAAAAAAAAAAAAH9/fwAlAAAAWAAAAAAAAAAAAAAAAAAAAAAAAAAAAAAAAAAAAAAAAAAAAAAAAAAAAAAAAAAAAAAAPwAAAAAAAACghgEAAAAAAAAAAAAAAAAADAAAAAEAAAAAAAAAAAAAAAAAAAAfAAAAVAAAAP///wAAAAAAAAAAAAAAAAAAAAAAAAAAAAAAAAAAAAAAAAAAAAAAAAAAAAAAf39/AH9/fwDMzMwAwMD/AH9/fwAAAAAAAAAAAAAAAAD///8AAAAAACEAAAAYAAAAFAAAAFALAAD1EQAAfQ8AAHUVAAAQAAAAJgAAAAgAAAD//////////zAAAAAUAAAAAAAAAAAA//8AAAEAAAD//wAAAQA="/>
+                <pr:smNativeData xmlns:mc="http://schemas.openxmlformats.org/markup-compatibility/2006" xmlns:p14="http://schemas.microsoft.com/office/powerpoint/2010/main" xmlns:p15="http://schemas.microsoft.com/office/powerpoint/2012/main" xmlns:pr="smNativeData" xmlns="smNativeData" val="SMDATA_18_xzE7ZxMAAAAlAAAAEQAAAC0AAAAAkAAAAEgAAACQAAAASAAAAAAAAAAAAAAAAAAAAAEAAABQAAAAAAAAAAAA4D8AAAAAAADgPwAAAAAAAOA/AAAAAAAA4D8AAAAAAADgPwAAAAAAAOA/AAAAAAAA4D8AAAAAAADgPwAAAAAAAOA/AAAAAAAA4D8CAAAAjAAAAAAAAAAAAAAA////AAAAAAAAAAAAAAAAAAAAAAAAAAAAAAAAAAAAAAAAAAAAZAAAAAEAAABAAAAAAAAAAAAAAAAAAAAAAAAAAAAAAAAAAAAAAAAAAAAAAAAAAAAAAAAAAAAAAAAAAAAAAAAAAAAAAAAAAAAAAAAAAAAAAAAAAAAAAAAAAAAAAAAAAAAAFAAAADwAAAAAAAAAAAAAAAAAAAAUAAAAAQAAABQAAAAUAAAAFAAAAAEAAAAAAAAAZAAAAGQAAAAAAAAAZAAAAGQAAAAVAAAAYAAAAAAAAAAAAAAADwAAACADAAAAAAAAAAAAAAEAAACgMgAAVgcAAKr4//8BAAAAf39/AAEAAABkAAAAAAAAABQAAABAHwAAAAAAACYAAAAAAAAAwOD//wAAAAAmAAAAZAAAABYAAABMAAAAAAAAAAAAAAAEAAAAAAAAAAEAAAB/f38AAAAAACgAAAAoAAAAZAAAAGQAAAAAAAAAzMzMAAAAAABQAAAAUAAAAGQAAABkAAAAAAAAAAcAAAA4AAAAAAAAAAAAAAAAAAAA////AAAAAAAAAAAAAAAAAAAAAAAAAAAAAAAAAAAAAABkAAAAZAAAAAAAAAAjAAAABAAAAGQAAAAXAAAAFAAAAAAAAAAAAAAA/38AAP9/AAAAAAAACQAAAAQAAAAAAAAAHgAAAGgAAAAAAAAAAAAAAAAAAAAAAAAAAAAAABAnAAAQJwAAAAAAAAAAAAAAAAAAAAAAAAAAAAAAAAAAAAAAAAAAAAAUAAAAAAAAAMDA/wAAAAAAZAAAADIAAAAAAAAAZAAAAAAAAAB/f38ACgAAACIAAAAYAAAAAAAAAAAAAAAAAAAAAAAAAAAAAAAAAAAAJAAAACQAAAAAAAAABwAAAAAAAAAAAAAAAAAAAAAAAAAAAAAAAAAAAH9/fwAlAAAAWAAAAAAAAAAAAAAAAAAAAAAAAAAAAAAAAAAAAAAAAAAAAAAAAAAAAAAAAAAAAAAAPwAAAAAAAACghgEAAAAAAAAAAAAAAAAADAAAAAEAAAAAAAAAAAAAAAAAAAAfAAAAVAAAAP///wAAAAAAAAAAAAAAAAAAAAAAAAAAAAAAAAAAAAAAAAAAAAAAAAAAAAAAf39/AH9/fwDMzMwAwMD/AH9/fwAAAAAAAAAAAAAAAAD///8AAAAAACEAAAAYAAAAFAAAAFALAAD1EQAAfQ8AAHUVAAAQAAAAJgAAAAgAAAD//////////zAAAAAUAAAAAAAAAAAA//8AAAEAAAD//wAAAQA="/>
               </a:ext>
             </a:extLst>
           </p:cNvPicPr>
@@ -5453,7 +5313,7 @@
             <a:picLocks noChangeAspect="1"/>
             <a:extLst>
               <a:ext uri="smNativeData">
-                <pr:smNativeData xmlns:pr="smNativeData" xmlns="smNativeData" val="SMDATA_18_xzE7ZxMAAAAlAAAAEQAAAC0AAAAAkAAAAEgAAACQAAAASAAAAAAAAAAAAAAAAAAAAAEAAABQAAAAAAAAAAAA4D8AAAAAAADgPwAAAAAAAOA/AAAAAAAA4D8AAAAAAADgPwAAAAAAAOA/AAAAAAAA4D8AAAAAAADgPwAAAAAAAOA/AAAAAAAA4D8CAAAAjAAAAAAAAAAAAAAA////AAAAAAAAAAAAAAAAAAAAAAAAAAAAAAAAAAAAAAAAAAAAZAAAAAEAAABAAAAAAAAAAAAAAAAAAAAAAAAAAAAAAAAAAAAAAAAAAAAAAAAAAAAAAAAAAAAAAAAAAAAAAAAAAAAAAAAAAAAAAAAAAAAAAAAAAAAAAAAAAAAAAAAAAAAAFAAAADwAAAAAAAAAAAAAAAAAAAAUAAAAAQAAABQAAAAUAAAAFAAAAAEAAAAAAAAAZAAAAGQAAAAAAAAAZAAAAGQAAAAVAAAAYAAAAAAAAAAAAAAADwAAACADAAAAAAAAAAAAAAEAAACgMgAAVgcAAKr4//8BAAAAf39/AAEAAABkAAAAAAAAABQAAABAHwAAAAAAACYAAAAAAAAAwOD//wAAAAAmAAAAZAAAABYAAABMAAAAAAAAAAAAAAAEAAAAAAAAAAEAAAB/f38AAAAAACgAAAAoAAAAZAAAAGQAAAAAAAAAzMzMAAAAAABQAAAAUAAAAGQAAABkAAAAAAAAAAcAAAA4AAAAAAAAAAAAAAAAAAAA////AAAAAAAAAAAAAAAAAAAAAAAAAAAAAAAAAAAAAABkAAAAZAAAAAAAAAAjAAAABAAAAGQAAAAXAAAAFAAAAAAAAAAAAAAA/38AAP9/AAAAAAAACQAAAAQAAAAAAAAAHgAAAGgAAAAAAAAAAAAAAAAAAAAAAAAAAAAAABAnAAAQJwAAAAAAAAAAAAAAAAAAAAAAAAAAAAAAAAAAAAAAAAAAAAAUAAAAAAAAAMDA/wAAAAAAZAAAADIAAAAAAAAAZAAAAAAAAAB/f38ACgAAACIAAAAYAAAAAAAAAAAAAAAAAAAAAAAAAAAAAAAAAAAAJAAAACQAAAAAAAAABwAAAAAAAAAAAAAAAAAAAAAAAAAAAAAAAAAAAH9/fwAlAAAAWAAAAAAAAAAAAAAAAAAAAAAAAAAAAAAAAAAAAAAAAAAAAAAAAAAAAAAAAAAAAAAAPwAAAAAAAACghgEAAAAAAAAAAAAAAAAADAAAAAEAAAAAAAAAAAAAAAAAAAAfAAAAVAAAAP///wAAAAAAAAAAAAAAAAAAAAAAAAAAAAAAAAAAAAAAAAAAAAAAAAAAAAAAf39/AH9/fwDMzMwAwMD/AH9/fwAAAAAAAAAAAAAAAAD///8AAAAAACEAAAAYAAAAFAAAACYQAADpEAAA/BUAAIEVAAAQAAAAJgAAAAgAAAD//////////zAAAAAUAAAAAAAAAAAA//8AAAEAAAD//wAAAQA="/>
+                <pr:smNativeData xmlns:mc="http://schemas.openxmlformats.org/markup-compatibility/2006" xmlns:p14="http://schemas.microsoft.com/office/powerpoint/2010/main" xmlns:p15="http://schemas.microsoft.com/office/powerpoint/2012/main" xmlns:pr="smNativeData" xmlns="smNativeData" val="SMDATA_18_xzE7ZxMAAAAlAAAAEQAAAC0AAAAAkAAAAEgAAACQAAAASAAAAAAAAAAAAAAAAAAAAAEAAABQAAAAAAAAAAAA4D8AAAAAAADgPwAAAAAAAOA/AAAAAAAA4D8AAAAAAADgPwAAAAAAAOA/AAAAAAAA4D8AAAAAAADgPwAAAAAAAOA/AAAAAAAA4D8CAAAAjAAAAAAAAAAAAAAA////AAAAAAAAAAAAAAAAAAAAAAAAAAAAAAAAAAAAAAAAAAAAZAAAAAEAAABAAAAAAAAAAAAAAAAAAAAAAAAAAAAAAAAAAAAAAAAAAAAAAAAAAAAAAAAAAAAAAAAAAAAAAAAAAAAAAAAAAAAAAAAAAAAAAAAAAAAAAAAAAAAAAAAAAAAAFAAAADwAAAAAAAAAAAAAAAAAAAAUAAAAAQAAABQAAAAUAAAAFAAAAAEAAAAAAAAAZAAAAGQAAAAAAAAAZAAAAGQAAAAVAAAAYAAAAAAAAAAAAAAADwAAACADAAAAAAAAAAAAAAEAAACgMgAAVgcAAKr4//8BAAAAf39/AAEAAABkAAAAAAAAABQAAABAHwAAAAAAACYAAAAAAAAAwOD//wAAAAAmAAAAZAAAABYAAABMAAAAAAAAAAAAAAAEAAAAAAAAAAEAAAB/f38AAAAAACgAAAAoAAAAZAAAAGQAAAAAAAAAzMzMAAAAAABQAAAAUAAAAGQAAABkAAAAAAAAAAcAAAA4AAAAAAAAAAAAAAAAAAAA////AAAAAAAAAAAAAAAAAAAAAAAAAAAAAAAAAAAAAABkAAAAZAAAAAAAAAAjAAAABAAAAGQAAAAXAAAAFAAAAAAAAAAAAAAA/38AAP9/AAAAAAAACQAAAAQAAAAAAAAAHgAAAGgAAAAAAAAAAAAAAAAAAAAAAAAAAAAAABAnAAAQJwAAAAAAAAAAAAAAAAAAAAAAAAAAAAAAAAAAAAAAAAAAAAAUAAAAAAAAAMDA/wAAAAAAZAAAADIAAAAAAAAAZAAAAAAAAAB/f38ACgAAACIAAAAYAAAAAAAAAAAAAAAAAAAAAAAAAAAAAAAAAAAAJAAAACQAAAAAAAAABwAAAAAAAAAAAAAAAAAAAAAAAAAAAAAAAAAAAH9/fwAlAAAAWAAAAAAAAAAAAAAAAAAAAAAAAAAAAAAAAAAAAAAAAAAAAAAAAAAAAAAAAAAAAAAAPwAAAAAAAACghgEAAAAAAAAAAAAAAAAADAAAAAEAAAAAAAAAAAAAAAAAAAAfAAAAVAAAAP///wAAAAAAAAAAAAAAAAAAAAAAAAAAAAAAAAAAAAAAAAAAAAAAAAAAAAAAf39/AH9/fwDMzMwAwMD/AH9/fwAAAAAAAAAAAAAAAAD///8AAAAAACEAAAAYAAAAFAAAACYQAADpEAAA/BUAAIEVAAAQAAAAJgAAAAgAAAD//////////zAAAAAUAAAAAAAAAAAA//8AAAEAAAD//wAAAQA="/>
               </a:ext>
             </a:extLst>
           </p:cNvPicPr>
@@ -5487,7 +5347,7 @@
             <a:picLocks noChangeAspect="1"/>
             <a:extLst>
               <a:ext uri="smNativeData">
-                <pr:smNativeData xmlns:pr="smNativeData" xmlns="smNativeData" val="SMDATA_18_xzE7ZxMAAAAlAAAAEQAAAC0AAAAAkAAAAEgAAACQAAAASAAAAAAAAAAAAAAAAAAAAAEAAABQAAAAAAAAAAAA4D8AAAAAAADgPwAAAAAAAOA/AAAAAAAA4D8AAAAAAADgPwAAAAAAAOA/AAAAAAAA4D8AAAAAAADgPwAAAAAAAOA/AAAAAAAA4D8CAAAAjAAAAAAAAAAAAAAA////AAAAAAAAAAAAAAAAAAAAAAAAAAAAAAAAAAAAAAAAAAAAZAAAAAEAAABAAAAAAAAAAAAAAAAAAAAAAAAAAAAAAAAAAAAAAAAAAAAAAAAAAAAAAAAAAAAAAAAAAAAAAAAAAAAAAAAAAAAAAAAAAAAAAAAAAAAAAAAAAAAAAAAAAAAAFAAAADwAAAAAAAAAAAAAAAAAAAAUAAAAAQAAABQAAAAUAAAAFAAAAAEAAAAAAAAAZAAAAGQAAAAAAAAAZAAAAGQAAAAVAAAAYAAAAAAAAAAAAAAADwAAACADAAAAAAAAAAAAAAEAAACgMgAAVgcAAKr4//8BAAAAf39/AAEAAABkAAAAAAAAABQAAABAHwAAAAAAACYAAAAAAAAAwOD//wAAAAAmAAAAZAAAABYAAABMAAAAAAAAAAAAAAAEAAAAAAAAAAEAAAB/f38AAAAAACgAAAAoAAAAZAAAAGQAAAAAAAAAzMzMAAAAAABQAAAAUAAAAGQAAABkAAAAAAAAAAcAAAA4AAAAAAAAAAAAAAAAAAAA////AAAAAAAAAAAAAAAAAAAAAAAAAAAAAAAAAAAAAABkAAAAZAAAAAAAAAAjAAAABAAAAGQAAAAXAAAAFAAAAAAAAAAAAAAA/38AAP9/AAAAAAAACQAAAAQAAAAAAAAAHgAAAGgAAAAAAAAAAAAAAAAAAAAAAAAAAAAAABAnAAAQJwAAAAAAAAAAAAAAAAAAAAAAAAAAAAAAAAAAAAAAAAAAAAAUAAAAAAAAAMDA/wAAAAAAZAAAADIAAAAAAAAAZAAAAAAAAAB/f38ACgAAACIAAAAYAAAAAAAAAAAAAAAAAAAAAAAAAAAAAAAAAAAAJAAAACQAAAAAAAAABwAAAAAAAAAAAAAAAAAAAAAAAAAAAAAAAAAAAH9/fwAlAAAAWAAAAAAAAAAAAAAAAAAAAAAAAAAAAAAAAAAAAAAAAAAAAAAAAAAAAAAAAAAAAAAAPwAAAAAAAACghgEAAAAAAAAAAAAAAAAADAAAAAEAAAAAAAAAAAAAAAAAAAAfAAAAVAAAAP///wAAAAAAAAAAAAAAAAAAAAAAAAAAAAAAAAAAAAAAAAAAAAAAAAAAAAAAf39/AH9/fwDMzMwAwMD/AH9/fwAAAAAAAAAAAAAAAAD///8AAAAAACEAAAAYAAAAFAAAABcWAACxEAAAMxsAAFIVAAAQAAAAJgAAAAgAAAD//////////zAAAAAUAAAAAAAAAAAA//8AAAEAAAD//wAAAQA="/>
+                <pr:smNativeData xmlns:mc="http://schemas.openxmlformats.org/markup-compatibility/2006" xmlns:p14="http://schemas.microsoft.com/office/powerpoint/2010/main" xmlns:p15="http://schemas.microsoft.com/office/powerpoint/2012/main" xmlns:pr="smNativeData" xmlns="smNativeData" val="SMDATA_18_xzE7ZxMAAAAlAAAAEQAAAC0AAAAAkAAAAEgAAACQAAAASAAAAAAAAAAAAAAAAAAAAAEAAABQAAAAAAAAAAAA4D8AAAAAAADgPwAAAAAAAOA/AAAAAAAA4D8AAAAAAADgPwAAAAAAAOA/AAAAAAAA4D8AAAAAAADgPwAAAAAAAOA/AAAAAAAA4D8CAAAAjAAAAAAAAAAAAAAA////AAAAAAAAAAAAAAAAAAAAAAAAAAAAAAAAAAAAAAAAAAAAZAAAAAEAAABAAAAAAAAAAAAAAAAAAAAAAAAAAAAAAAAAAAAAAAAAAAAAAAAAAAAAAAAAAAAAAAAAAAAAAAAAAAAAAAAAAAAAAAAAAAAAAAAAAAAAAAAAAAAAAAAAAAAAFAAAADwAAAAAAAAAAAAAAAAAAAAUAAAAAQAAABQAAAAUAAAAFAAAAAEAAAAAAAAAZAAAAGQAAAAAAAAAZAAAAGQAAAAVAAAAYAAAAAAAAAAAAAAADwAAACADAAAAAAAAAAAAAAEAAACgMgAAVgcAAKr4//8BAAAAf39/AAEAAABkAAAAAAAAABQAAABAHwAAAAAAACYAAAAAAAAAwOD//wAAAAAmAAAAZAAAABYAAABMAAAAAAAAAAAAAAAEAAAAAAAAAAEAAAB/f38AAAAAACgAAAAoAAAAZAAAAGQAAAAAAAAAzMzMAAAAAABQAAAAUAAAAGQAAABkAAAAAAAAAAcAAAA4AAAAAAAAAAAAAAAAAAAA////AAAAAAAAAAAAAAAAAAAAAAAAAAAAAAAAAAAAAABkAAAAZAAAAAAAAAAjAAAABAAAAGQAAAAXAAAAFAAAAAAAAAAAAAAA/38AAP9/AAAAAAAACQAAAAQAAAAAAAAAHgAAAGgAAAAAAAAAAAAAAAAAAAAAAAAAAAAAABAnAAAQJwAAAAAAAAAAAAAAAAAAAAAAAAAAAAAAAAAAAAAAAAAAAAAUAAAAAAAAAMDA/wAAAAAAZAAAADIAAAAAAAAAZAAAAAAAAAB/f38ACgAAACIAAAAYAAAAAAAAAAAAAAAAAAAAAAAAAAAAAAAAAAAAJAAAACQAAAAAAAAABwAAAAAAAAAAAAAAAAAAAAAAAAAAAAAAAAAAAH9/fwAlAAAAWAAAAAAAAAAAAAAAAAAAAAAAAAAAAAAAAAAAAAAAAAAAAAAAAAAAAAAAAAAAAAAAPwAAAAAAAACghgEAAAAAAAAAAAAAAAAADAAAAAEAAAAAAAAAAAAAAAAAAAAfAAAAVAAAAP///wAAAAAAAAAAAAAAAAAAAAAAAAAAAAAAAAAAAAAAAAAAAAAAAAAAAAAAf39/AH9/fwDMzMwAwMD/AH9/fwAAAAAAAAAAAAAAAAD///8AAAAAACEAAAAYAAAAFAAAABcWAACxEAAAMxsAAFIVAAAQAAAAJgAAAAgAAAD//////////zAAAAAUAAAAAAAAAAAA//8AAAEAAAD//wAAAQA="/>
               </a:ext>
             </a:extLst>
           </p:cNvPicPr>
@@ -5521,7 +5381,7 @@
             <a:picLocks noChangeAspect="1"/>
             <a:extLst>
               <a:ext uri="smNativeData">
-                <pr:smNativeData xmlns:pr="smNativeData" xmlns="smNativeData" val="SMDATA_18_xzE7ZxMAAAAlAAAAEQAAAC0AAAAAkAAAAEgAAACQAAAASAAAAAAAAAAAAAAAAAAAAAEAAABQAAAAAAAAAAAA4D8AAAAAAADgPwAAAAAAAOA/AAAAAAAA4D8AAAAAAADgPwAAAAAAAOA/AAAAAAAA4D8AAAAAAADgPwAAAAAAAOA/AAAAAAAA4D8CAAAAjAAAAAAAAAAAAAAA////AAAAAAAAAAAAAAAAAAAAAAAAAAAAAAAAAAAAAAAAAAAAZAAAAAEAAABAAAAAAAAAAAAAAAAAAAAAAAAAAAAAAAAAAAAAAAAAAAAAAAAAAAAAAAAAAAAAAAAAAAAAAAAAAAAAAAAAAAAAAAAAAAAAAAAAAAAAAAAAAAAAAAAAAAAAFAAAADwAAAAAAAAAAAAAAAAAAAAUAAAAAQAAABQAAAAUAAAAFAAAAAEAAAAAAAAAZAAAAGQAAAAAAAAAZAAAAGQAAAAVAAAAYAAAAAAAAAAAAAAADwAAACADAAAAAAAAAAAAAAEAAACgMgAAVgcAAKr4//8BAAAAf39/AAEAAABkAAAAAAAAABQAAABAHwAAAAAAACYAAAAAAAAAwOD//wAAAAAmAAAAZAAAABYAAABMAAAAAAAAAAAAAAAEAAAAAAAAAAEAAAB/f38AAAAAACgAAAAoAAAAZAAAAGQAAAAAAAAAzMzMAAAAAABQAAAAUAAAAGQAAABkAAAAAAAAAAcAAAA4AAAAAAAAAAAAAAAAAAAA////AAAAAAAAAAAAAAAAAAAAAAAAAAAAAAAAAAAAAABkAAAAZAAAAAAAAAAjAAAABAAAAGQAAAAXAAAAFAAAAAAAAAAAAAAA/38AAP9/AAAAAAAACQAAAAQAAAAAAAAAHgAAAGgAAAAAAAAAAAAAAAAAAAAAAAAAAAAAABAnAAAQJwAAAAAAAAAAAAAAAAAAAAAAAAAAAAAAAAAAAAAAAAAAAAAUAAAAAAAAAMDA/wAAAAAAZAAAADIAAAAAAAAAZAAAAAAAAAB/f38ACgAAACIAAAAYAAAAAAAAAAAAAAAAAAAAAAAAAAAAAAAAAAAAJAAAACQAAAAAAAAABwAAAAAAAAAAAAAAAAAAAAAAAAAAAAAAAAAAAH9/fwAlAAAAWAAAAAAAAAAAAAAAAAAAAAAAAAAAAAAAAAAAAAAAAAAAAAAAAAAAAAAAAAAAAAAAPwAAAAAAAACghgEAAAAAAAAAAAAAAAAADAAAAAEAAAAAAAAAAAAAAAAAAAAfAAAAVAAAAP///wAAAAAAAAAAAAAAAAAAAAAAAAAAAAAAAAAAAAAAAAAAAAAAAAAAAAAAf39/AH9/fwDMzMwAwMD/AH9/fwAAAAAAAAAAAAAAAAD///8AAAAAACEAAAAYAAAAFAAAAAsbAACJEQAAFyAAADsVAAAQAAAAJgAAAAgAAAD//////////zAAAAAUAAAAAAAAAAAA//8AAAEAAAD//wAAAQA="/>
+                <pr:smNativeData xmlns:mc="http://schemas.openxmlformats.org/markup-compatibility/2006" xmlns:p14="http://schemas.microsoft.com/office/powerpoint/2010/main" xmlns:p15="http://schemas.microsoft.com/office/powerpoint/2012/main" xmlns:pr="smNativeData" xmlns="smNativeData" val="SMDATA_18_xzE7ZxMAAAAlAAAAEQAAAC0AAAAAkAAAAEgAAACQAAAASAAAAAAAAAAAAAAAAAAAAAEAAABQAAAAAAAAAAAA4D8AAAAAAADgPwAAAAAAAOA/AAAAAAAA4D8AAAAAAADgPwAAAAAAAOA/AAAAAAAA4D8AAAAAAADgPwAAAAAAAOA/AAAAAAAA4D8CAAAAjAAAAAAAAAAAAAAA////AAAAAAAAAAAAAAAAAAAAAAAAAAAAAAAAAAAAAAAAAAAAZAAAAAEAAABAAAAAAAAAAAAAAAAAAAAAAAAAAAAAAAAAAAAAAAAAAAAAAAAAAAAAAAAAAAAAAAAAAAAAAAAAAAAAAAAAAAAAAAAAAAAAAAAAAAAAAAAAAAAAAAAAAAAAFAAAADwAAAAAAAAAAAAAAAAAAAAUAAAAAQAAABQAAAAUAAAAFAAAAAEAAAAAAAAAZAAAAGQAAAAAAAAAZAAAAGQAAAAVAAAAYAAAAAAAAAAAAAAADwAAACADAAAAAAAAAAAAAAEAAACgMgAAVgcAAKr4//8BAAAAf39/AAEAAABkAAAAAAAAABQAAABAHwAAAAAAACYAAAAAAAAAwOD//wAAAAAmAAAAZAAAABYAAABMAAAAAAAAAAAAAAAEAAAAAAAAAAEAAAB/f38AAAAAACgAAAAoAAAAZAAAAGQAAAAAAAAAzMzMAAAAAABQAAAAUAAAAGQAAABkAAAAAAAAAAcAAAA4AAAAAAAAAAAAAAAAAAAA////AAAAAAAAAAAAAAAAAAAAAAAAAAAAAAAAAAAAAABkAAAAZAAAAAAAAAAjAAAABAAAAGQAAAAXAAAAFAAAAAAAAAAAAAAA/38AAP9/AAAAAAAACQAAAAQAAAAAAAAAHgAAAGgAAAAAAAAAAAAAAAAAAAAAAAAAAAAAABAnAAAQJwAAAAAAAAAAAAAAAAAAAAAAAAAAAAAAAAAAAAAAAAAAAAAUAAAAAAAAAMDA/wAAAAAAZAAAADIAAAAAAAAAZAAAAAAAAAB/f38ACgAAACIAAAAYAAAAAAAAAAAAAAAAAAAAAAAAAAAAAAAAAAAAJAAAACQAAAAAAAAABwAAAAAAAAAAAAAAAAAAAAAAAAAAAAAAAAAAAH9/fwAlAAAAWAAAAAAAAAAAAAAAAAAAAAAAAAAAAAAAAAAAAAAAAAAAAAAAAAAAAAAAAAAAAAAAPwAAAAAAAACghgEAAAAAAAAAAAAAAAAADAAAAAEAAAAAAAAAAAAAAAAAAAAfAAAAVAAAAP///wAAAAAAAAAAAAAAAAAAAAAAAAAAAAAAAAAAAAAAAAAAAAAAAAAAAAAAf39/AH9/fwDMzMwAwMD/AH9/fwAAAAAAAAAAAAAAAAD///8AAAAAACEAAAAYAAAAFAAAAAsbAACJEQAAFyAAADsVAAAQAAAAJgAAAAgAAAD//////////zAAAAAUAAAAAAAAAAAA//8AAAEAAAD//wAAAQA="/>
               </a:ext>
             </a:extLst>
           </p:cNvPicPr>
@@ -5555,7 +5415,7 @@
             <a:picLocks noChangeAspect="1"/>
             <a:extLst>
               <a:ext uri="smNativeData">
-                <pr:smNativeData xmlns:pr="smNativeData" xmlns="smNativeData" val="SMDATA_18_xzE7ZxMAAAAlAAAAEQAAAC0AAAAAkAAAAEgAAACQAAAASAAAAAAAAAAAAAAAAAAAAAEAAABQAAAAAAAAAAAA4D8AAAAAAADgPwAAAAAAAOA/AAAAAAAA4D8AAAAAAADgPwAAAAAAAOA/AAAAAAAA4D8AAAAAAADgPwAAAAAAAOA/AAAAAAAA4D8CAAAAjAAAAAAAAAAAAAAA////AAAAAAAAAAAAAAAAAAAAAAAAAAAAAAAAAAAAAAAAAAAAZAAAAAEAAABAAAAAAAAAAAAAAAAAAAAAAAAAAAAAAAAAAAAAAAAAAAAAAAAAAAAAAAAAAAAAAAAAAAAAAAAAAAAAAAAAAAAAAAAAAAAAAAAAAAAAAAAAAAAAAAAAAAAAFAAAADwAAAAAAAAAAAAAAAAAAAAUAAAAAQAAABQAAAAUAAAAFAAAAAEAAAAAAAAAZAAAAGQAAAAAAAAAZAAAAGQAAAAVAAAAYAAAAAAAAAAAAAAADwAAACADAAAAAAAAAAAAAAEAAACgMgAAVgcAAKr4//8BAAAAf39/AAEAAABkAAAAAAAAABQAAABAHwAAAAAAACYAAAAAAAAAwOD//wAAAAAmAAAAZAAAABYAAABMAAAAAAAAAAAAAAAEAAAAAAAAAAEAAAB/f38AAAAAACgAAAAoAAAAZAAAAGQAAAAAAAAAzMzMAAAAAABQAAAAUAAAAGQAAABkAAAAAAAAAAcAAAA4AAAAAAAAAAAAAAAAAAAA////AAAAAAAAAAAAAAAAAAAAAAAAAAAAAAAAAAAAAABkAAAAZAAAAAAAAAAjAAAABAAAAGQAAAAXAAAAFAAAAAAAAAAAAAAA/38AAP9/AAAAAAAACQAAAAQAAAAAAAAAHgAAAGgAAAAAAAAAAAAAAAAAAAAAAAAAAAAAABAnAAAQJwAAAAAAAAAAAAAAAAAAAAAAAAAAAAAAAAAAAAAAAAAAAAAUAAAAAAAAAMDA/wAAAAAAZAAAADIAAAAAAAAAZAAAAAAAAAB/f38ACgAAACIAAAAYAAAAAAAAAAAAAAAAAAAAAAAAAAAAAAAAAAAAJAAAACQAAAAAAAAABwAAAAAAAAAAAAAAAAAAAAAAAAAAAAAAAAAAAH9/fwAlAAAAWAAAAAAAAAAAAAAAAAAAAAAAAAAAAAAAAAAAAAAAAAAAAAAAAAAAAAAAAAAAAAAAPwAAAAAAAACghgEAAAAAAAAAAAAAAAAADAAAAAEAAAAAAAAAAAAAAAAAAAAfAAAAVAAAAP///wAAAAAAAAAAAAAAAAAAAAAAAAAAAAAAAAAAAAAAAAAAAAAAAAAAAAAAf39/AH9/fwDMzMwAwMD/AH9/fwAAAAAAAAAAAAAAAAD///8AAAAAACEAAAAYAAAAFAAAADogAAB4EQAAlCUAAGIVAAAQAAAAJgAAAAgAAAD//////////zAAAAAUAAAAAAAAAAAA//8AAAEAAAD//wAAAQA="/>
+                <pr:smNativeData xmlns:mc="http://schemas.openxmlformats.org/markup-compatibility/2006" xmlns:p14="http://schemas.microsoft.com/office/powerpoint/2010/main" xmlns:p15="http://schemas.microsoft.com/office/powerpoint/2012/main" xmlns:pr="smNativeData" xmlns="smNativeData" val="SMDATA_18_xzE7ZxMAAAAlAAAAEQAAAC0AAAAAkAAAAEgAAACQAAAASAAAAAAAAAAAAAAAAAAAAAEAAABQAAAAAAAAAAAA4D8AAAAAAADgPwAAAAAAAOA/AAAAAAAA4D8AAAAAAADgPwAAAAAAAOA/AAAAAAAA4D8AAAAAAADgPwAAAAAAAOA/AAAAAAAA4D8CAAAAjAAAAAAAAAAAAAAA////AAAAAAAAAAAAAAAAAAAAAAAAAAAAAAAAAAAAAAAAAAAAZAAAAAEAAABAAAAAAAAAAAAAAAAAAAAAAAAAAAAAAAAAAAAAAAAAAAAAAAAAAAAAAAAAAAAAAAAAAAAAAAAAAAAAAAAAAAAAAAAAAAAAAAAAAAAAAAAAAAAAAAAAAAAAFAAAADwAAAAAAAAAAAAAAAAAAAAUAAAAAQAAABQAAAAUAAAAFAAAAAEAAAAAAAAAZAAAAGQAAAAAAAAAZAAAAGQAAAAVAAAAYAAAAAAAAAAAAAAADwAAACADAAAAAAAAAAAAAAEAAACgMgAAVgcAAKr4//8BAAAAf39/AAEAAABkAAAAAAAAABQAAABAHwAAAAAAACYAAAAAAAAAwOD//wAAAAAmAAAAZAAAABYAAABMAAAAAAAAAAAAAAAEAAAAAAAAAAEAAAB/f38AAAAAACgAAAAoAAAAZAAAAGQAAAAAAAAAzMzMAAAAAABQAAAAUAAAAGQAAABkAAAAAAAAAAcAAAA4AAAAAAAAAAAAAAAAAAAA////AAAAAAAAAAAAAAAAAAAAAAAAAAAAAAAAAAAAAABkAAAAZAAAAAAAAAAjAAAABAAAAGQAAAAXAAAAFAAAAAAAAAAAAAAA/38AAP9/AAAAAAAACQAAAAQAAAAAAAAAHgAAAGgAAAAAAAAAAAAAAAAAAAAAAAAAAAAAABAnAAAQJwAAAAAAAAAAAAAAAAAAAAAAAAAAAAAAAAAAAAAAAAAAAAAUAAAAAAAAAMDA/wAAAAAAZAAAADIAAAAAAAAAZAAAAAAAAAB/f38ACgAAACIAAAAYAAAAAAAAAAAAAAAAAAAAAAAAAAAAAAAAAAAAJAAAACQAAAAAAAAABwAAAAAAAAAAAAAAAAAAAAAAAAAAAAAAAAAAAH9/fwAlAAAAWAAAAAAAAAAAAAAAAAAAAAAAAAAAAAAAAAAAAAAAAAAAAAAAAAAAAAAAAAAAAAAAPwAAAAAAAACghgEAAAAAAAAAAAAAAAAADAAAAAEAAAAAAAAAAAAAAAAAAAAfAAAAVAAAAP///wAAAAAAAAAAAAAAAAAAAAAAAAAAAAAAAAAAAAAAAAAAAAAAAAAAAAAAf39/AH9/fwDMzMwAwMD/AH9/fwAAAAAAAAAAAAAAAAD///8AAAAAACEAAAAYAAAAFAAAADogAAB4EQAAlCUAAGIVAAAQAAAAJgAAAAgAAAD//////////zAAAAAUAAAAAAAAAAAA//8AAAEAAAD//wAAAQA="/>
               </a:ext>
             </a:extLst>
           </p:cNvPicPr>
@@ -5589,7 +5449,7 @@
             <a:picLocks noChangeAspect="1"/>
             <a:extLst>
               <a:ext uri="smNativeData">
-                <pr:smNativeData xmlns:pr="smNativeData" xmlns="smNativeData" val="SMDATA_18_xzE7ZxMAAAAlAAAAEQAAAC8BAAAAkAAAAEgAAACQAAAASAAAAAAAAAAAAAAAAAAAAAEAAABQAAAAAAAAAAAA4D8AAAAAAADgPwAAAAAAAOA/AAAAAAAA4D8AAAAAAADgPwAAAAAAAOA/AAAAAAAA4D8AAAAAAADgPwAAAAAAAOA/AAAAAAAA4D8CAAAAjAAAAAAAAAAAAAAARHLEDP///wgAAAAAAAAAAAAAAAAAAAAAAAAAAAAAAAAAAAAAZAAAAAEAAABAAAAAAAAAAAAAAAAAAAAAAAAAAAAAAAAAAAAAAAAAAAAAAAAAAAAAAAAAAAAAAAAAAAAAAAAAAAAAAAAAAAAAAAAAAAAAAAAAAAAAAAAAAAAAAAAAAAAAFAAAADwAAAAAAAAAAAAAAAAAAAkUAAAAAQAAABQAAAAUAAAAFAAAAAEAAAAAAAAAZAAAAGQAAAAAAAAAZAAAAGQAAAAVAAAAYAAAAAAAAAAAAAAADwAAACADAAAAAAAAAAAAAAEAAACgMgAAVgcAAKr4//8BAAAAf39/AAEAAABkAAAAAAAAABQAAABAHwAAAAAAACYAAAAAAAAAwOD//wAAAAAmAAAAZAAAABYAAABMAAAAAAAAAAAAAAAEAAAAAAAAAAEAAADn5uYKAAAAACgAAAAoAAAAZAAAAGQAAAAAAAAAzMzMAAAAAABQAAAAUAAAAGQAAABkAAAAAAAAAAcAAAA4AAAAAAAAAAAAAAAAAAAA////AAAAAAAAAAAAAAAAAAAAAAAAAAAAAAAAAAAAAABkAAAAZAAAAAAAAAAjAAAABAAAAGQAAAAXAAAAFAAAAAAAAAAAAAAA/38AAP9/AAAAAAAACQAAAAQAAAAAAAAAHgAAAGgAAAAAAAAAAAAAAAAAAAAAAAAAAAAAABAnAAAQJwAAAAAAAAAAAAAAAAAAAAAAAAAAAAAAAAAAAAAAAAAAAAAUAAAAAAAAAMDA/wAAAAAAZAAAADIAAAAAAAAAZAAAAAAAAAB/f38ACgAAACIAAAAYAAAAAAAAAAAAAAAAAAAAAAAAAAAAAAAAAAAAJAAAACQAAAAAAAAABwAAAAAAAAAAAAAAAAAAAAAAAAAAAAAAAAAAAH9/fwAlAAAAWAAAAAAAAAAAAAAAAAAAAAAAAAAAAAAAAAAAAAAAAAAAAAAAAAAAAAAAAAAAAAAAPwAAAAAAAACghgEAAAAAAAAAAAAAAAAADAAAAAEAAAAAAAAAAAAAAAAAAAAfAAAAVAAAAERyxAX///8BAAAAAAAAAAAAAAAAAAAAAAAAAAAAAAAAAAAAAAAAAAAAAAACf39/AOfm5gPMzMwAwMD/AH9/fwAAAAAAAAAAAAAAAAD///8AAAAAACEAAAAYAAAAFAAAAEQYAAB+GAAALikAALQhAAAQAAAAJgAAAAgAAAD//////////zAAAAAUAAAAAAAAAAAA//8AAAEAAAD//wAAAQA="/>
+                <pr:smNativeData xmlns:mc="http://schemas.openxmlformats.org/markup-compatibility/2006" xmlns:p14="http://schemas.microsoft.com/office/powerpoint/2010/main" xmlns:p15="http://schemas.microsoft.com/office/powerpoint/2012/main" xmlns:pr="smNativeData" xmlns="smNativeData" val="SMDATA_18_xzE7ZxMAAAAlAAAAEQAAAC8BAAAAkAAAAEgAAACQAAAASAAAAAAAAAAAAAAAAAAAAAEAAABQAAAAAAAAAAAA4D8AAAAAAADgPwAAAAAAAOA/AAAAAAAA4D8AAAAAAADgPwAAAAAAAOA/AAAAAAAA4D8AAAAAAADgPwAAAAAAAOA/AAAAAAAA4D8CAAAAjAAAAAAAAAAAAAAARHLEDP///wgAAAAAAAAAAAAAAAAAAAAAAAAAAAAAAAAAAAAAZAAAAAEAAABAAAAAAAAAAAAAAAAAAAAAAAAAAAAAAAAAAAAAAAAAAAAAAAAAAAAAAAAAAAAAAAAAAAAAAAAAAAAAAAAAAAAAAAAAAAAAAAAAAAAAAAAAAAAAAAAAAAAAFAAAADwAAAAAAAAAAAAAAAAAAAkUAAAAAQAAABQAAAAUAAAAFAAAAAEAAAAAAAAAZAAAAGQAAAAAAAAAZAAAAGQAAAAVAAAAYAAAAAAAAAAAAAAADwAAACADAAAAAAAAAAAAAAEAAACgMgAAVgcAAKr4//8BAAAAf39/AAEAAABkAAAAAAAAABQAAABAHwAAAAAAACYAAAAAAAAAwOD//wAAAAAmAAAAZAAAABYAAABMAAAAAAAAAAAAAAAEAAAAAAAAAAEAAADn5uYKAAAAACgAAAAoAAAAZAAAAGQAAAAAAAAAzMzMAAAAAABQAAAAUAAAAGQAAABkAAAAAAAAAAcAAAA4AAAAAAAAAAAAAAAAAAAA////AAAAAAAAAAAAAAAAAAAAAAAAAAAAAAAAAAAAAABkAAAAZAAAAAAAAAAjAAAABAAAAGQAAAAXAAAAFAAAAAAAAAAAAAAA/38AAP9/AAAAAAAACQAAAAQAAAAAAAAAHgAAAGgAAAAAAAAAAAAAAAAAAAAAAAAAAAAAABAnAAAQJwAAAAAAAAAAAAAAAAAAAAAAAAAAAAAAAAAAAAAAAAAAAAAUAAAAAAAAAMDA/wAAAAAAZAAAADIAAAAAAAAAZAAAAAAAAAB/f38ACgAAACIAAAAYAAAAAAAAAAAAAAAAAAAAAAAAAAAAAAAAAAAAJAAAACQAAAAAAAAABwAAAAAAAAAAAAAAAAAAAAAAAAAAAAAAAAAAAH9/fwAlAAAAWAAAAAAAAAAAAAAAAAAAAAAAAAAAAAAAAAAAAAAAAAAAAAAAAAAAAAAAAAAAAAAAPwAAAAAAAACghgEAAAAAAAAAAAAAAAAADAAAAAEAAAAAAAAAAAAAAAAAAAAfAAAAVAAAAERyxAX///8BAAAAAAAAAAAAAAAAAAAAAAAAAAAAAAAAAAAAAAAAAAAAAAACf39/AOfm5gPMzMwAwMD/AH9/fwAAAAAAAAAAAAAAAAD///8AAAAAACEAAAAYAAAAFAAAAEQYAAB+GAAALikAALQhAAAQAAAAJgAAAAgAAAD//////////zAAAAAUAAAAAAAAAAAA//8AAAEAAAD//wAAAQA="/>
               </a:ext>
             </a:extLst>
           </p:cNvPicPr>
@@ -5632,7 +5492,7 @@
 </file>
 
 <file path=ppt/slides/slide10.xml><?xml version="1.0" encoding="utf-8"?>
-<p:sld xmlns:p="http://schemas.openxmlformats.org/presentationml/2006/main" xmlns:mc="http://schemas.openxmlformats.org/markup-compatibility/2006" xmlns:p14="http://schemas.microsoft.com/office/powerpoint/2010/main" xmlns:p15="http://schemas.microsoft.com/office/powerpoint/2012/main" xmlns:r="http://schemas.openxmlformats.org/officeDocument/2006/relationships" xmlns:a="http://schemas.openxmlformats.org/drawingml/2006/main" mc:Ignorable="p14">
+<p:sld xmlns:a="http://schemas.openxmlformats.org/drawingml/2006/main" xmlns:r="http://schemas.openxmlformats.org/officeDocument/2006/relationships" xmlns:p="http://schemas.openxmlformats.org/presentationml/2006/main">
   <p:cSld>
     <p:spTree>
       <p:nvGrpSpPr>
@@ -5655,7 +5515,7 @@
             <a:spLocks noGrp="1" noChangeArrowheads="1"/>
             <a:extLst>
               <a:ext uri="smNativeData">
-                <pr:smNativeData xmlns:pr="smNativeData" xmlns="smNativeData" val="SMDATA_16_xzE7ZxMAAAAlAAAAZAAAAA0AAAAAkAAAAEgAAACQAAAASAAAAAAAAAABAAAAAAAAAAEAAABQAAAAAAAAAAAA4D8AAAAAAADgPwAAAAAAAOA/AAAAAAAA4D8AAAAAAADgPwAAAAAAAOA/AAAAAAAA4D8AAAAAAADgPwAAAAAAAOA/AAAAAAAA4D8CAAAAjAAAAAAAAAAAAAAARHLEDP///wgAAAAAAAAAAAAAAAAAAAAAAAAAAAAAAAAAAAAAZAAAAAEAAABAAAAAAAAAAAAAAAAAAAAAAAAAAAAAAAAAAAAAAAAAAAAAAAAAAAAAAAAAAAAAAAAAAAAAAAAAAAAAAAAAAAAAAAAAAAAAAAAAAAAAAAAAAAAAAAAAAAAAFAAAADwAAAAAAAAAAAAAAAAAAAkUAAAAAQAAABQAAAAUAAAAFAAAAAEAAAAAAAAAZAAAAGQAAAAAAAAAZAAAAGQAAAAVAAAAYAAAAAAAAAAAAAAADwAAACADAAAAAAAAAAAAAAEAAACgMgAAVgcAAKr4//8BAAAAf39/AAEAAABkAAAAAAAAABQAAABAHwAAAAAAACYAAAAAAAAAwOD//wAAAAAmAAAAZAAAABYAAABMAAAAAAAAAAAAAAAEAAAAAAAAAAEAAADn5uYKAAAAACgAAAAoAAAAZAAAAGQAAAAAAAAAzMzMAAAAAABQAAAAUAAAAGQAAABkAAAAAAAAABcAAAAUAAAAAAAAAAAAAAD/fwAA/38AAAAAAAAJAAAABAAAAAAAAAAeAAAAaAAAAAAAAAAAAAAAAAAAAAAAAAAAAAAAECcAABAnAAAAAAAAAAAAAAAAAAAAAAAAAAAAAAAAAAAAAAAAAAAAABQAAAAAAAAAwMD/AAAAAABkAAAAMgAAAAAAAABkAAAAAAAAAH9/fwAKAAAAIgAAABgAAAAAAAAAAAAAAAAAAAAAAAAAAAAAAAAAAAAkAAAAJAAAAAAAAAAHAAAAAAAAAAAAAAAAAAAAAAAAAAAAAAAAAAAAf39/ACUAAABYAAAAAAAAAAAAAAAAAAAAAAAAAAAAAAAAAAAAAAAAAAAAAAAAAAAAAAAAAAAAAAA/AAAAAAAAAKCGAQAAAAAAAAAAAAAAAAAMAAAAAQAAAAAAAAAAAAAAAAAAAB8AAABUAAAARHLEBf///wEAAAAAAAAAAAAAAAAAAAAAAAAAAAAAAAAAAAAAAAAAAAAAAAJ/f38A5+bmA8zMzADAwP8Af39/AAAAAAAAAAAAAAAAAAAAAAAAAAAAIQAAABgAAAAUAAAAKAUAAD8CAADYRQAAZwoAABAAAAAmAAAACAAAAAAAAAAAAAAAMAAAABQAAAAAAAAAAAD//wAAAQAAAP//AAABAA=="/>
+                <pr:smNativeData xmlns:mc="http://schemas.openxmlformats.org/markup-compatibility/2006" xmlns:p14="http://schemas.microsoft.com/office/powerpoint/2010/main" xmlns:p15="http://schemas.microsoft.com/office/powerpoint/2012/main" xmlns:pr="smNativeData" xmlns="smNativeData" val="SMDATA_16_xzE7ZxMAAAAlAAAAZAAAAA0AAAAAkAAAAEgAAACQAAAASAAAAAAAAAABAAAAAAAAAAEAAABQAAAAAAAAAAAA4D8AAAAAAADgPwAAAAAAAOA/AAAAAAAA4D8AAAAAAADgPwAAAAAAAOA/AAAAAAAA4D8AAAAAAADgPwAAAAAAAOA/AAAAAAAA4D8CAAAAjAAAAAAAAAAAAAAARHLEDP///wgAAAAAAAAAAAAAAAAAAAAAAAAAAAAAAAAAAAAAZAAAAAEAAABAAAAAAAAAAAAAAAAAAAAAAAAAAAAAAAAAAAAAAAAAAAAAAAAAAAAAAAAAAAAAAAAAAAAAAAAAAAAAAAAAAAAAAAAAAAAAAAAAAAAAAAAAAAAAAAAAAAAAFAAAADwAAAAAAAAAAAAAAAAAAAkUAAAAAQAAABQAAAAUAAAAFAAAAAEAAAAAAAAAZAAAAGQAAAAAAAAAZAAAAGQAAAAVAAAAYAAAAAAAAAAAAAAADwAAACADAAAAAAAAAAAAAAEAAACgMgAAVgcAAKr4//8BAAAAf39/AAEAAABkAAAAAAAAABQAAABAHwAAAAAAACYAAAAAAAAAwOD//wAAAAAmAAAAZAAAABYAAABMAAAAAAAAAAAAAAAEAAAAAAAAAAEAAADn5uYKAAAAACgAAAAoAAAAZAAAAGQAAAAAAAAAzMzMAAAAAABQAAAAUAAAAGQAAABkAAAAAAAAABcAAAAUAAAAAAAAAAAAAAD/fwAA/38AAAAAAAAJAAAABAAAAAAAAAAeAAAAaAAAAAAAAAAAAAAAAAAAAAAAAAAAAAAAECcAABAnAAAAAAAAAAAAAAAAAAAAAAAAAAAAAAAAAAAAAAAAAAAAABQAAAAAAAAAwMD/AAAAAABkAAAAMgAAAAAAAABkAAAAAAAAAH9/fwAKAAAAIgAAABgAAAAAAAAAAAAAAAAAAAAAAAAAAAAAAAAAAAAkAAAAJAAAAAAAAAAHAAAAAAAAAAAAAAAAAAAAAAAAAAAAAAAAAAAAf39/ACUAAABYAAAAAAAAAAAAAAAAAAAAAAAAAAAAAAAAAAAAAAAAAAAAAAAAAAAAAAAAAAAAAAA/AAAAAAAAAKCGAQAAAAAAAAAAAAAAAAAMAAAAAQAAAAAAAAAAAAAAAAAAAB8AAABUAAAARHLEBf///wEAAAAAAAAAAAAAAAAAAAAAAAAAAAAAAAAAAAAAAAAAAAAAAAJ/f38A5+bmA8zMzADAwP8Af39/AAAAAAAAAAAAAAAAAAAAAAAAAAAAIQAAABgAAAAUAAAAKAUAAD8CAADYRQAAZwoAABAAAAAmAAAACAAAAAAAAAAAAAAAMAAAABQAAAAAAAAAAAD//wAAAQAAAP//AAABAA=="/>
               </a:ext>
             </a:extLst>
           </p:cNvSpPr>
@@ -5671,6 +5531,7 @@
             <a:pPr>
               <a:defRPr lang="ru-ru"/>
             </a:pPr>
+            <a:endParaRPr/>
           </a:p>
         </p:txBody>
       </p:sp>
@@ -5681,7 +5542,7 @@
             <a:spLocks noGrp="1" noChangeArrowheads="1"/>
             <a:extLst>
               <a:ext uri="smNativeData">
-                <pr:smNativeData xmlns:pr="smNativeData" xmlns="smNativeData" val="SMDATA_16_xzE7ZxMAAAAlAAAAZAAAAA0AAAAAkAAAAEgAAACQAAAASAAAAAAAAAAAAAAAAAAAAAEAAABQAAAAAAAAAAAA4D8AAAAAAADgPwAAAAAAAOA/AAAAAAAA4D8AAAAAAADgPwAAAAAAAOA/AAAAAAAA4D8AAAAAAADgPwAAAAAAAOA/AAAAAAAA4D8CAAAAjAAAAAAAAAAAAAAARHLEDP///wgAAAAAAAAAAAAAAAAAAAAAAAAAAAAAAAAAAAAAZAAAAAEAAABAAAAAAAAAAAAAAAAAAAAAAAAAAAAAAAAAAAAAAAAAAAAAAAAAAAAAAAAAAAAAAAAAAAAAAAAAAAAAAAAAAAAAAAAAAAAAAAAAAAAAAAAAAAAAAAAAAAAAFAAAADwAAAAAAAAAAAAAAAAAAAkUAAAAAQAAABQAAAAUAAAAFAAAAAEAAAAAAAAAZAAAAGQAAAAAAAAAZAAAAGQAAAAVAAAAYAAAAAAAAAAAAAAADwAAACADAAAAAAAAAAAAAAEAAACgMgAAVgcAAKr4//8BAAAAf39/AAEAAABkAAAAAAAAABQAAABAHwAAAAAAACYAAAAAAAAAwOD//wAAAAAmAAAAZAAAABYAAABMAAAAAAAAAAAAAAAEAAAAAAAAAAEAAADn5uYKAAAAACgAAAAoAAAAZAAAAGQAAAAAAAAAzMzMAAAAAABQAAAAUAAAAGQAAABkAAAAAAAAABcAAAAUAAAAAAAAAAAAAAD/fwAA/38AAAAAAAAJAAAABAAAAAAAAAAeAAAAaAAAAAAAAAAAAAAAAAAAAAAAAAAAAAAAECcAABAnAAAAAAAAAAAAAAAAAAAAAAAAAAAAAAAAAAAAAAAAAAAAABQAAAAAAAAAwMD/AAAAAABkAAAAMgAAAAAAAABkAAAAAAAAAH9/fwAKAAAAIgAAABgAAAAAAAAAAAAAAAAAAAAAAAAAAAAAAAAAAAAkAAAAJAAAAAAAAAAHAAAAAAAAAAAAAAAAAAAAAAAAAAAAAAAAAAAAf39/ACUAAABYAAAAAAAAAAAAAAAAAAAAAAAAAAAAAAAAAAAAAAAAAAAAAAAAAAAAAAAAAAAAAAA/AAAAAAAAAKCGAQAAAAAAAAAAAAAAAAAMAAAAAQAAAAAAAAAAAAAAAAAAAB8AAABUAAAARHLEBf///wEAAAAAAAAAAAAAAAAAAAAAAAAAAAAAAAAAAAAAAAAAAAAAAAJ/f38A5+bmA8zMzADAwP8Af39/AAAAAAAAAAAAAAAAAAAAAAAAAAAAIQAAABgAAAAUAAAAKAUAADsLAADYRQAAACYAABAAAAAmAAAACAAAAAAAAAAAAAAAMAAAABQAAAAAAAAAAAD//wAAAQAAAP//AAABAA=="/>
+                <pr:smNativeData xmlns:mc="http://schemas.openxmlformats.org/markup-compatibility/2006" xmlns:p14="http://schemas.microsoft.com/office/powerpoint/2010/main" xmlns:p15="http://schemas.microsoft.com/office/powerpoint/2012/main" xmlns:pr="smNativeData" xmlns="smNativeData" val="SMDATA_16_xzE7ZxMAAAAlAAAAZAAAAA0AAAAAkAAAAEgAAACQAAAASAAAAAAAAAAAAAAAAAAAAAEAAABQAAAAAAAAAAAA4D8AAAAAAADgPwAAAAAAAOA/AAAAAAAA4D8AAAAAAADgPwAAAAAAAOA/AAAAAAAA4D8AAAAAAADgPwAAAAAAAOA/AAAAAAAA4D8CAAAAjAAAAAAAAAAAAAAARHLEDP///wgAAAAAAAAAAAAAAAAAAAAAAAAAAAAAAAAAAAAAZAAAAAEAAABAAAAAAAAAAAAAAAAAAAAAAAAAAAAAAAAAAAAAAAAAAAAAAAAAAAAAAAAAAAAAAAAAAAAAAAAAAAAAAAAAAAAAAAAAAAAAAAAAAAAAAAAAAAAAAAAAAAAAFAAAADwAAAAAAAAAAAAAAAAAAAkUAAAAAQAAABQAAAAUAAAAFAAAAAEAAAAAAAAAZAAAAGQAAAAAAAAAZAAAAGQAAAAVAAAAYAAAAAAAAAAAAAAADwAAACADAAAAAAAAAAAAAAEAAACgMgAAVgcAAKr4//8BAAAAf39/AAEAAABkAAAAAAAAABQAAABAHwAAAAAAACYAAAAAAAAAwOD//wAAAAAmAAAAZAAAABYAAABMAAAAAAAAAAAAAAAEAAAAAAAAAAEAAADn5uYKAAAAACgAAAAoAAAAZAAAAGQAAAAAAAAAzMzMAAAAAABQAAAAUAAAAGQAAABkAAAAAAAAABcAAAAUAAAAAAAAAAAAAAD/fwAA/38AAAAAAAAJAAAABAAAAAAAAAAeAAAAaAAAAAAAAAAAAAAAAAAAAAAAAAAAAAAAECcAABAnAAAAAAAAAAAAAAAAAAAAAAAAAAAAAAAAAAAAAAAAAAAAABQAAAAAAAAAwMD/AAAAAABkAAAAMgAAAAAAAABkAAAAAAAAAH9/fwAKAAAAIgAAABgAAAAAAAAAAAAAAAAAAAAAAAAAAAAAAAAAAAAkAAAAJAAAAAAAAAAHAAAAAAAAAAAAAAAAAAAAAAAAAAAAAAAAAAAAf39/ACUAAABYAAAAAAAAAAAAAAAAAAAAAAAAAAAAAAAAAAAAAAAAAAAAAAAAAAAAAAAAAAAAAAA/AAAAAAAAAKCGAQAAAAAAAAAAAAAAAAAMAAAAAQAAAAAAAAAAAAAAAAAAAB8AAABUAAAARHLEBf///wEAAAAAAAAAAAAAAAAAAAAAAAAAAAAAAAAAAAAAAAAAAAAAAAJ/f38A5+bmA8zMzADAwP8Af39/AAAAAAAAAAAAAAAAAAAAAAAAAAAAIQAAABgAAAAUAAAAKAUAADsLAADYRQAAACYAABAAAAAmAAAACAAAAAAAAAAAAAAAMAAAABQAAAAAAAAAAAD//wAAAQAAAP//AAABAA=="/>
               </a:ext>
             </a:extLst>
           </p:cNvSpPr>
@@ -5697,19 +5558,15 @@
             <a:pPr>
               <a:defRPr lang="ru-ru"/>
             </a:pPr>
+            <a:endParaRPr/>
           </a:p>
         </p:txBody>
       </p:sp>
       <p:pic>
         <p:nvPicPr>
-          <p:cNvPr id="4" name="Рисунок 4"/>
+          <p:cNvPr id="5" name="Рисунок 4"/>
           <p:cNvPicPr>
             <a:picLocks noChangeAspect="1"/>
-            <a:extLst>
-              <a:ext uri="smNativeData">
-                <pr:smNativeData xmlns:pr="smNativeData" xmlns="smNativeData" val="SMDATA_18_xzE7ZxMAAAAlAAAAEQAAAC0AAAAAkAAAAEgAAACQAAAASAAAAAAAAAAAAAAAAAAAAAEAAABQAAAAAAAAAAAA4D8AAAAAAADgPwAAAAAAAOA/AAAAAAAA4D8AAAAAAADgPwAAAAAAAOA/AAAAAAAA4D8AAAAAAADgPwAAAAAAAOA/AAAAAAAA4D8CAAAAjAAAAAAAAAAAAAAARHLEDP///wgAAAAAAAAAAAAAAAAAAAAAAAAAAAAAAAAAAAAAZAAAAAEAAABAAAAAAAAAAAAAAAAAAAAAAAAAAAAAAAAAAAAAAAAAAAAAAAAAAAAAAAAAAAAAAAAAAAAAAAAAAAAAAAAAAAAAAAAAAAAAAAAAAAAAAAAAAAAAAAAAAAAAFAAAADwAAAAAAAAAAAAAAAAAAAkUAAAAAQAAABQAAAAUAAAAFAAAAAEAAAAAAAAAZAAAAGQAAAAAAAAAZAAAAGQAAAAVAAAAYAAAAAAAAAAAAAAADwAAACADAAAAAAAAAAAAAAEAAACgMgAAVgcAAKr4//8BAAAAf39/AAEAAABkAAAAAAAAABQAAABAHwAAAAAAACYAAAAAAAAAwOD//wAAAAAmAAAAZAAAABYAAABMAAAAAAAAAAAAAAAEAAAAAAAAAAEAAADn5uYKAAAAACgAAAAoAAAAZAAAAGQAAAAAAAAAzMzMAAAAAABQAAAAUAAAAGQAAABkAAAAAAAAAAcAAAA4AAAAAAAAAAAAAAAAAAAA////AAAAAAAAAAAAAAAAAAAAAAAAAAAAAAAAAAAAAABkAAAAZAAAAAAAAAAjAAAABAAAAGQAAAAXAAAAFAAAAAAAAAAAAAAA/38AAP9/AAAAAAAACQAAAAQAAAD/////HgAAAGgAAAAAAAAAAAAAAAAAAAAAAAAAAAAAABAnAAAQJwAAAAAAAAAAAAAAAAAAAAAAAAAAAAAAAAAAAAAAAAAAAAAUAAAAAAAAAMDA/wAAAAAAZAAAADIAAAAAAAAAZAAAAAAAAAB/f38ACgAAACIAAAAYAAAAAAAAAAAAAAAAAAAAAAAAAAAAAAAAAAAAJAAAACQAAAAAAAAABwAAAAAAAAAAAAAAAAAAAAAAAAAAAAAAAAAAAH9/fwAlAAAAWAAAAAAAAAAAAAAAAAAAAAAAAAAAAAAAAAAAAAAAAAAAAAAAAAAAAAAAAAAAAAAAPwAAAAAAAACghgEAAAAAAAAAAAAAAAAADAAAAAEAAAAAAAAAAAAAAAAAAAAfAAAAVAAAAERyxAX///8BAAAAAAAAAAAAAAAAAAAAAAAAAAAAAAAAAAAAAAAAAAAAAAACf39/AOfm5gPMzMwAwMD/AH9/fwAAAAAAAAAAAAAAAAD///8AAAAAACEAAAAYAAAAFAAAAEUBAAA/AgAACh4AAEgmAAAQAAAAJgAAAAgAAAD//////////zAAAAAUAAAAAAAAAAAA//8AAAEAAAD//wAAAQA="/>
-              </a:ext>
-            </a:extLst>
           </p:cNvPicPr>
           <p:nvPr/>
         </p:nvPicPr>
@@ -5721,321 +5578,12 @@
         </p:blipFill>
         <p:spPr>
           <a:xfrm>
-            <a:off x="206375" y="365125"/>
-            <a:ext cx="4676775" cy="5857875"/>
+            <a:off x="380290" y="600501"/>
+            <a:ext cx="5941374" cy="6109861"/>
           </a:xfrm>
           <a:prstGeom prst="rect">
             <a:avLst/>
           </a:prstGeom>
-          <a:noFill/>
-          <a:ln>
-            <a:noFill/>
-          </a:ln>
-          <a:effectLst/>
-        </p:spPr>
-      </p:pic>
-      <p:pic>
-        <p:nvPicPr>
-          <p:cNvPr id="5" name="Рисунок 6"/>
-          <p:cNvPicPr>
-            <a:picLocks noChangeAspect="1"/>
-            <a:extLst>
-              <a:ext uri="smNativeData">
-                <pr:smNativeData xmlns:pr="smNativeData" xmlns="smNativeData" val="SMDATA_18_xzE7ZxMAAAAlAAAAEQAAAC0AAAAAkAAAAEgAAACQAAAASAAAAAAAAAAAAAAAAAAAAAEAAABQAAAAAAAAAAAA4D8AAAAAAADgPwAAAAAAAOA/AAAAAAAA4D8AAAAAAADgPwAAAAAAAOA/AAAAAAAA4D8AAAAAAADgPwAAAAAAAOA/AAAAAAAA4D8CAAAAjAAAAAAAAAAAAAAARHLEDP///wgAAAAAAAAAAAAAAAAAAAAAAAAAAAAAAAAAAAAAZAAAAAEAAABAAAAAAAAAAAAAAAAAAAAAAAAAAAAAAAAAAAAAAAAAAAAAAAAAAAAAAAAAAAAAAAAAAAAAAAAAAAAAAAAAAAAAAAAAAAAAAAAAAAAAAAAAAAAAAAAAAAAAFAAAADwAAAAAAAAAAAAAAAAAAAkUAAAAAQAAABQAAAAUAAAAFAAAAAEAAAAAAAAAZAAAAGQAAAAAAAAAZAAAAGQAAAAVAAAAYAAAAAAAAAAAAAAADwAAACADAAAAAAAAAAAAAAEAAACgMgAAVgcAAKr4//8BAAAAf39/AAEAAABkAAAAAAAAABQAAABAHwAAAAAAACYAAAAAAAAAwOD//wAAAAAmAAAAZAAAABYAAABMAAAAAAAAAAAAAAAEAAAAAAAAAAEAAADn5uYKAAAAACgAAAAoAAAAZAAAAGQAAAAAAAAAzMzMAAAAAABQAAAAUAAAAGQAAABkAAAAAAAAAAcAAAA4AAAAAAAAAAAAAAAAAAAA////AAAAAAAAAAAAAAAAAAAAAAAAAAAAAAAAAAAAAABkAAAAZAAAAAAAAAAjAAAABAAAAGQAAAAXAAAAFAAAAAAAAAAAAAAA/38AAP9/AAAAAAAACQAAAAQAAAD/////HgAAAGgAAAAAAAAAAAAAAAAAAAAAAAAAAAAAABAnAAAQJwAAAAAAAAAAAAAAAAAAAAAAAAAAAAAAAAAAAAAAAAAAAAAUAAAAAAAAAMDA/wAAAAAAZAAAADIAAAAAAAAAZAAAAAAAAAB/f38ACgAAACIAAAAYAAAAAAAAAAAAAAAAAAAAAAAAAAAAAAAAAAAAJAAAACQAAAAAAAAABwAAAAAAAAAAAAAAAAAAAAAAAAAAAAAAAAAAAH9/fwAlAAAAWAAAAAAAAAAAAAAAAAAAAAAAAAAAAAAAAAAAAAAAAAAAAAAAAAAAAAAAAAAAAAAAPwAAAAAAAACghgEAAAAAAAAAAAAAAAAADAAAAAEAAAAAAAAAAAAAAAAAAAAfAAAAVAAAAERyxAX///8BAAAAAAAAAAAAAAAAAAAAAAAAAAAAAAAAAAAAAAAAAAAAAAACf39/AOfm5gPMzMwAwMD/AH9/fwAAAAAAAAAAAAAAAAD///8AAAAAACEAAAAYAAAAFAAAAAgjAAAwBAAANz8AAKMnAAAQAAAAJgAAAAgAAAD//////////zAAAAAUAAAAAAAAAAAA//8AAAEAAAD//wAAAQA="/>
-              </a:ext>
-            </a:extLst>
-          </p:cNvPicPr>
-          <p:nvPr/>
-        </p:nvPicPr>
-        <p:blipFill>
-          <a:blip r:embed="rId3"/>
-          <a:stretch>
-            <a:fillRect/>
-          </a:stretch>
-        </p:blipFill>
-        <p:spPr>
-          <a:xfrm>
-            <a:off x="5694680" y="680720"/>
-            <a:ext cx="4581525" cy="5762625"/>
-          </a:xfrm>
-          <a:prstGeom prst="rect">
-            <a:avLst/>
-          </a:prstGeom>
-          <a:noFill/>
-          <a:ln>
-            <a:noFill/>
-          </a:ln>
-          <a:effectLst/>
-        </p:spPr>
-      </p:pic>
-    </p:spTree>
-  </p:cSld>
-  <p:clrMapOvr>
-    <a:masterClrMapping/>
-  </p:clrMapOvr>
-  <p:timing>
-    <p:tnLst>
-      <p:par>
-        <p:cTn id="1" dur="indefinite" restart="never" nodeType="tmRoot"/>
-      </p:par>
-    </p:tnLst>
-  </p:timing>
-</p:sld>
-</file>
-
-<file path=ppt/slides/slide11.xml><?xml version="1.0" encoding="utf-8"?>
-<p:sld xmlns:p="http://schemas.openxmlformats.org/presentationml/2006/main" xmlns:mc="http://schemas.openxmlformats.org/markup-compatibility/2006" xmlns:p14="http://schemas.microsoft.com/office/powerpoint/2010/main" xmlns:p15="http://schemas.microsoft.com/office/powerpoint/2012/main" xmlns:r="http://schemas.openxmlformats.org/officeDocument/2006/relationships" xmlns:a="http://schemas.openxmlformats.org/drawingml/2006/main" mc:Ignorable="p14">
-  <p:cSld>
-    <p:spTree>
-      <p:nvGrpSpPr>
-        <p:cNvPr id="1" name=""/>
-        <p:cNvGrpSpPr/>
-        <p:nvPr/>
-      </p:nvGrpSpPr>
-      <p:grpSpPr>
-        <a:xfrm>
-          <a:off x="0" y="0"/>
-          <a:ext cx="0" cy="0"/>
-          <a:chOff x="0" y="0"/>
-          <a:chExt cx="0" cy="0"/>
-        </a:xfrm>
-      </p:grpSpPr>
-      <p:sp>
-        <p:nvSpPr>
-          <p:cNvPr id="2" name="Заголовок 1"/>
-          <p:cNvSpPr>
-            <a:spLocks noGrp="1" noChangeArrowheads="1"/>
-            <a:extLst>
-              <a:ext uri="smNativeData">
-                <pr:smNativeData xmlns:pr="smNativeData" xmlns="smNativeData" val="SMDATA_16_xzE7ZxMAAAAlAAAAZAAAAA0AAAAAkAAAAEgAAACQAAAASAAAAAAAAAABAAAAAAAAAAEAAABQAAAAAAAAAAAA4D8AAAAAAADgPwAAAAAAAOA/AAAAAAAA4D8AAAAAAADgPwAAAAAAAOA/AAAAAAAA4D8AAAAAAADgPwAAAAAAAOA/AAAAAAAA4D8CAAAAjAAAAAAAAAAAAAAARHLEDP///wgAAAAAAAAAAAAAAAAAAAAAAAAAAAAAAAAAAAAAZAAAAAEAAABAAAAAAAAAAAAAAAAAAAAAAAAAAAAAAAAAAAAAAAAAAAAAAAAAAAAAAAAAAAAAAAAAAAAAAAAAAAAAAAAAAAAAAAAAAAAAAAAAAAAAAAAAAAAAAAAAAAAAFAAAADwAAAAAAAAAAAAAAAAAAAkUAAAAAQAAABQAAAAUAAAAFAAAAAEAAAAAAAAAZAAAAGQAAAAAAAAAZAAAAGQAAAAVAAAAYAAAAAAAAAAAAAAADwAAACADAAAAAAAAAAAAAAEAAACgMgAAVgcAAKr4//8BAAAAf39/AAEAAABkAAAAAAAAABQAAABAHwAAAAAAACYAAAAAAAAAwOD//wAAAAAmAAAAZAAAABYAAABMAAAAAAAAAAAAAAAEAAAAAAAAAAEAAADn5uYKAAAAACgAAAAoAAAAZAAAAGQAAAAAAAAAzMzMAAAAAABQAAAAUAAAAGQAAABkAAAAAAAAABcAAAAUAAAAAAAAAAAAAAD/fwAA/38AAAAAAAAJAAAABAAAAAAAAAAeAAAAaAAAAAAAAAAAAAAAAAAAAAAAAAAAAAAAECcAABAnAAAAAAAAAAAAAAAAAAAAAAAAAAAAAAAAAAAAAAAAAAAAABQAAAAAAAAAwMD/AAAAAABkAAAAMgAAAAAAAABkAAAAAAAAAH9/fwAKAAAAIgAAABgAAAAAAAAAAAAAAAAAAAAAAAAAAAAAAAAAAAAkAAAAJAAAAAAAAAAHAAAAAAAAAAAAAAAAAAAAAAAAAAAAAAAAAAAAf39/ACUAAABYAAAAAAAAAAAAAAAAAAAAAAAAAAAAAAAAAAAAAAAAAAAAAAAAAAAAAAAAAAAAAAA/AAAAAAAAAKCGAQAAAAAAAAAAAAAAAAAMAAAAAQAAAAAAAAAAAAAAAAAAAB8AAABUAAAARHLEBf///wEAAAAAAAAAAAAAAAAAAAAAAAAAAAAAAAAAAAAAAAAAAAAAAAJ/f38A5+bmA8zMzADAwP8Af39/AAAAAAAAAAAAAAAAAAAAAAAAAAAAIQAAABgAAAAUAAAAKAUAAD8CAADYRQAAZwoAABAAAAAmAAAACAAAAAAAAAAAAAAAMAAAABQAAAAAAAAAAAD//wAAAQAAAP//AAABAA=="/>
-              </a:ext>
-            </a:extLst>
-          </p:cNvSpPr>
-          <p:nvPr>
-            <p:ph type="title"/>
-          </p:nvPr>
-        </p:nvSpPr>
-        <p:spPr/>
-        <p:txBody>
-          <a:bodyPr/>
-          <a:lstStyle/>
-          <a:p>
-            <a:pPr>
-              <a:defRPr lang="ru-ru"/>
-            </a:pPr>
-          </a:p>
-        </p:txBody>
-      </p:sp>
-      <p:sp>
-        <p:nvSpPr>
-          <p:cNvPr id="3" name="Объект 2"/>
-          <p:cNvSpPr>
-            <a:spLocks noGrp="1" noChangeArrowheads="1"/>
-            <a:extLst>
-              <a:ext uri="smNativeData">
-                <pr:smNativeData xmlns:pr="smNativeData" xmlns="smNativeData" val="SMDATA_16_xzE7ZxMAAAAlAAAAZAAAAA0AAAAAkAAAAEgAAACQAAAASAAAAAAAAAAAAAAAAAAAAAEAAABQAAAAAAAAAAAA4D8AAAAAAADgPwAAAAAAAOA/AAAAAAAA4D8AAAAAAADgPwAAAAAAAOA/AAAAAAAA4D8AAAAAAADgPwAAAAAAAOA/AAAAAAAA4D8CAAAAjAAAAAAAAAAAAAAARHLEDP///wgAAAAAAAAAAAAAAAAAAAAAAAAAAAAAAAAAAAAAZAAAAAEAAABAAAAAAAAAAAAAAAAAAAAAAAAAAAAAAAAAAAAAAAAAAAAAAAAAAAAAAAAAAAAAAAAAAAAAAAAAAAAAAAAAAAAAAAAAAAAAAAAAAAAAAAAAAAAAAAAAAAAAFAAAADwAAAAAAAAAAAAAAAAAAAkUAAAAAQAAABQAAAAUAAAAFAAAAAEAAAAAAAAAZAAAAGQAAAAAAAAAZAAAAGQAAAAVAAAAYAAAAAAAAAAAAAAADwAAACADAAAAAAAAAAAAAAEAAACgMgAAVgcAAKr4//8BAAAAf39/AAEAAABkAAAAAAAAABQAAABAHwAAAAAAACYAAAAAAAAAwOD//wAAAAAmAAAAZAAAABYAAABMAAAAAAAAAAAAAAAEAAAAAAAAAAEAAADn5uYKAAAAACgAAAAoAAAAZAAAAGQAAAAAAAAAzMzMAAAAAABQAAAAUAAAAGQAAABkAAAAAAAAABcAAAAUAAAAAAAAAAAAAAD/fwAA/38AAAAAAAAJAAAABAAAAAAAAAAeAAAAaAAAAAAAAAAAAAAAAAAAAAAAAAAAAAAAECcAABAnAAAAAAAAAAAAAAAAAAAAAAAAAAAAAAAAAAAAAAAAAAAAABQAAAAAAAAAwMD/AAAAAABkAAAAMgAAAAAAAABkAAAAAAAAAH9/fwAKAAAAIgAAABgAAAAAAAAAAAAAAAAAAAAAAAAAAAAAAAAAAAAkAAAAJAAAAAAAAAAHAAAAAAAAAAAAAAAAAAAAAAAAAAAAAAAAAAAAf39/ACUAAABYAAAAAAAAAAAAAAAAAAAAAAAAAAAAAAAAAAAAAAAAAAAAAAAAAAAAAAAAAAAAAAA/AAAAAAAAAKCGAQAAAAAAAAAAAAAAAAAMAAAAAQAAAAAAAAAAAAAAAAAAAB8AAABUAAAARHLEBf///wEAAAAAAAAAAAAAAAAAAAAAAAAAAAAAAAAAAAAAAAAAAAAAAAJ/f38A5+bmA8zMzADAwP8Af39/AAAAAAAAAAAAAAAAAAAAAAAAAAAAIQAAABgAAAAUAAAAKAUAADsLAADYRQAAACYAABAAAAAmAAAACAAAAAAAAAAAAAAAMAAAABQAAAAAAAAAAAD//wAAAQAAAP//AAABAA=="/>
-              </a:ext>
-            </a:extLst>
-          </p:cNvSpPr>
-          <p:nvPr>
-            <p:ph type="body" idx="1"/>
-          </p:nvPr>
-        </p:nvSpPr>
-        <p:spPr/>
-        <p:txBody>
-          <a:bodyPr/>
-          <a:lstStyle/>
-          <a:p>
-            <a:pPr>
-              <a:defRPr lang="ru-ru"/>
-            </a:pPr>
-          </a:p>
-        </p:txBody>
-      </p:sp>
-      <p:pic>
-        <p:nvPicPr>
-          <p:cNvPr id="4" name="Рисунок 4"/>
-          <p:cNvPicPr>
-            <a:picLocks noChangeAspect="1"/>
-            <a:extLst>
-              <a:ext uri="smNativeData">
-                <pr:smNativeData xmlns:pr="smNativeData" xmlns="smNativeData" val="SMDATA_18_xzE7ZxMAAAAlAAAAEQAAAC0AAAAAkAAAAEgAAACQAAAASAAAAAAAAAAAAAAAAAAAAAEAAABQAAAAAAAAAAAA4D8AAAAAAADgPwAAAAAAAOA/AAAAAAAA4D8AAAAAAADgPwAAAAAAAOA/AAAAAAAA4D8AAAAAAADgPwAAAAAAAOA/AAAAAAAA4D8CAAAAjAAAAAAAAAAAAAAARHLEDP///wgAAAAAAAAAAAAAAAAAAAAAAAAAAAAAAAAAAAAAZAAAAAEAAABAAAAAAAAAAAAAAAAAAAAAAAAAAAAAAAAAAAAAAAAAAAAAAAAAAAAAAAAAAAAAAAAAAAAAAAAAAAAAAAAAAAAAAAAAAAAAAAAAAAAAAAAAAAAAAAAAAAAAFAAAADwAAAAAAAAAAAAAAAAAAAkUAAAAAQAAABQAAAAUAAAAFAAAAAEAAAAAAAAAZAAAAGQAAAAAAAAAZAAAAGQAAAAVAAAAYAAAAAAAAAAAAAAADwAAACADAAAAAAAAAAAAAAEAAACgMgAAVgcAAKr4//8BAAAAf39/AAEAAABkAAAAAAAAABQAAABAHwAAAAAAACYAAAAAAAAAwOD//wAAAAAmAAAAZAAAABYAAABMAAAAAAAAAAAAAAAEAAAAAAAAAAEAAADn5uYKAAAAACgAAAAoAAAAZAAAAGQAAAAAAAAAzMzMAAAAAABQAAAAUAAAAGQAAABkAAAAAAAAAAcAAAA4AAAAAAAAAAAAAAAAAAAA////AAAAAAAAAAAAAAAAAAAAAAAAAAAAAAAAAAAAAABkAAAAZAAAAAAAAAAjAAAABAAAAGQAAAAXAAAAFAAAAAAAAAAAAAAA/38AAP9/AAAAAAAACQAAAAQAAAD/////HgAAAGgAAAAAAAAAAAAAAAAAAAAAAAAAAAAAABAnAAAQJwAAAAAAAAAAAAAAAAAAAAAAAAAAAAAAAAAAAAAAAAAAAAAUAAAAAAAAAMDA/wAAAAAAZAAAADIAAAAAAAAAZAAAAAAAAAB/f38ACgAAACIAAAAYAAAAAAAAAAAAAAAAAAAAAAAAAAAAAAAAAAAAJAAAACQAAAAAAAAABwAAAAAAAAAAAAAAAAAAAAAAAAAAAAAAAAAAAH9/fwAlAAAAWAAAAAAAAAAAAAAAAAAAAAAAAAAAAAAAAAAAAAAAAAAAAAAAAAAAAAAAAAAAAAAAPwAAAAAAAACghgEAAAAAAAAAAAAAAAAADAAAAAEAAAAAAAAAAAAAAAAAAAAfAAAAVAAAAERyxAX///8BAAAAAAAAAAAAAAAAAAAAAAAAAAAAAAAAAAAAAAAAAAAAAAACf39/AOfm5gPMzMwAwMD/AH9/fwAAAAAAAAAAAAAAAAD///8AAAAAACEAAAAYAAAAFAAAAAAAAABpDAAAHCQAAPEnAAAQAAAAJgAAAAgAAAD//////////zAAAAAUAAAAAAAAAAAA//8AAAEAAAD//wAAAQA="/>
-              </a:ext>
-            </a:extLst>
-          </p:cNvPicPr>
-          <p:nvPr/>
-        </p:nvPicPr>
-        <p:blipFill>
-          <a:blip r:embed="rId3"/>
-          <a:stretch>
-            <a:fillRect/>
-          </a:stretch>
-        </p:blipFill>
-        <p:spPr>
-          <a:xfrm>
-            <a:off x="0" y="2017395"/>
-            <a:ext cx="5869940" cy="4475480"/>
-          </a:xfrm>
-          <a:prstGeom prst="rect">
-            <a:avLst/>
-          </a:prstGeom>
-          <a:noFill/>
-          <a:ln>
-            <a:noFill/>
-          </a:ln>
-          <a:effectLst/>
-        </p:spPr>
-      </p:pic>
-      <p:pic>
-        <p:nvPicPr>
-          <p:cNvPr id="5" name="Рисунок 6"/>
-          <p:cNvPicPr>
-            <a:picLocks noChangeAspect="1"/>
-            <a:extLst>
-              <a:ext uri="smNativeData">
-                <pr:smNativeData xmlns:pr="smNativeData" xmlns="smNativeData" val="SMDATA_18_xzE7ZxMAAAAlAAAAEQAAAC0AAAAAkAAAAEgAAACQAAAASAAAAAAAAAAAAAAAAAAAAAEAAABQAAAAAAAAAAAA4D8AAAAAAADgPwAAAAAAAOA/AAAAAAAA4D8AAAAAAADgPwAAAAAAAOA/AAAAAAAA4D8AAAAAAADgPwAAAAAAAOA/AAAAAAAA4D8CAAAAjAAAAAAAAAAAAAAARHLEDP///wgAAAAAAAAAAAAAAAAAAAAAAAAAAAAAAAAAAAAAZAAAAAEAAABAAAAAAAAAAAAAAAAAAAAAAAAAAAAAAAAAAAAAAAAAAAAAAAAAAAAAAAAAAAAAAAAAAAAAAAAAAAAAAAAAAAAAAAAAAAAAAAAAAAAAAAAAAAAAAAAAAAAAFAAAADwAAAAAAAAAAAAAAAAAAAkUAAAAAQAAABQAAAAUAAAAFAAAAAEAAAAAAAAAZAAAAGQAAAAAAAAAZAAAAGQAAAAVAAAAYAAAAAAAAAAAAAAADwAAACADAAAAAAAAAAAAAAEAAACgMgAAVgcAAKr4//8BAAAAf39/AAEAAABkAAAAAAAAABQAAABAHwAAAAAAACYAAAAAAAAAwOD//wAAAAAmAAAAZAAAABYAAABMAAAAAAAAAAAAAAAEAAAAAAAAAAEAAADn5uYKAAAAACgAAAAoAAAAZAAAAGQAAAAAAAAAzMzMAAAAAABQAAAAUAAAAGQAAABkAAAAAAAAAAcAAAA4AAAAAAAAAAAAAAAAAAAA////AAAAAAAAAAAAAAAAAAAAAAAAAAAAAAAAAAAAAABkAAAAZAAAAAAAAAAjAAAABAAAAGQAAAAXAAAAFAAAAAAAAAAAAAAA/38AAP9/AAAAAAAACQAAAAQAAAD/////HgAAAGgAAAAAAAAAAAAAAAAAAAAAAAAAAAAAABAnAAAQJwAAAAAAAAAAAAAAAAAAAAAAAAAAAAAAAAAAAAAAAAAAAAAUAAAAAAAAAMDA/wAAAAAAZAAAADIAAAAAAAAAZAAAAAAAAAB/f38ACgAAACIAAAAYAAAAAAAAAAAAAAAAAAAAAAAAAAAAAAAAAAAAJAAAACQAAAAAAAAABwAAAAAAAAAAAAAAAAAAAAAAAAAAAAAAAAAAAH9/fwAlAAAAWAAAAAAAAAAAAAAAAAAAAAAAAAAAAAAAAAAAAAAAAAAAAAAAAAAAAAAAAAAAAAAAPwAAAAAAAACghgEAAAAAAAAAAAAAAAAADAAAAAEAAAAAAAAAAAAAAAAAAAAfAAAAVAAAAERyxAX///8BAAAAAAAAAAAAAAAAAAAAAAAAAAAAAAAAAAAAAAAAAAAAAAACf39/AOfm5gPMzMwAwMD/AH9/fwAAAAAAAAAAAAAAAAD///8AAAAAACEAAAAYAAAAFAAAABwkAAB7EwAAVEgAAC0nAAAQAAAAJgAAAAgAAAD//////////zAAAAAUAAAAAAAAAAAA//8AAAEAAAD//wAAAQA="/>
-              </a:ext>
-            </a:extLst>
-          </p:cNvPicPr>
-          <p:nvPr/>
-        </p:nvPicPr>
-        <p:blipFill>
-          <a:blip r:embed="rId4"/>
-          <a:stretch>
-            <a:fillRect/>
-          </a:stretch>
-        </p:blipFill>
-        <p:spPr>
-          <a:xfrm>
-            <a:off x="5869940" y="3166745"/>
-            <a:ext cx="5887720" cy="3201670"/>
-          </a:xfrm>
-          <a:prstGeom prst="rect">
-            <a:avLst/>
-          </a:prstGeom>
-          <a:noFill/>
-          <a:ln>
-            <a:noFill/>
-          </a:ln>
-          <a:effectLst/>
-        </p:spPr>
-      </p:pic>
-    </p:spTree>
-  </p:cSld>
-  <p:clrMapOvr>
-    <a:masterClrMapping/>
-  </p:clrMapOvr>
-  <p:timing>
-    <p:tnLst>
-      <p:par>
-        <p:cTn id="1" dur="indefinite" restart="never" nodeType="tmRoot"/>
-      </p:par>
-    </p:tnLst>
-  </p:timing>
-</p:sld>
-</file>
-
-<file path=ppt/slides/slide12.xml><?xml version="1.0" encoding="utf-8"?>
-<p:sld xmlns:p="http://schemas.openxmlformats.org/presentationml/2006/main" xmlns:mc="http://schemas.openxmlformats.org/markup-compatibility/2006" xmlns:p14="http://schemas.microsoft.com/office/powerpoint/2010/main" xmlns:p15="http://schemas.microsoft.com/office/powerpoint/2012/main" xmlns:r="http://schemas.openxmlformats.org/officeDocument/2006/relationships" xmlns:a="http://schemas.openxmlformats.org/drawingml/2006/main" mc:Ignorable="p14">
-  <p:cSld>
-    <p:spTree>
-      <p:nvGrpSpPr>
-        <p:cNvPr id="1" name=""/>
-        <p:cNvGrpSpPr/>
-        <p:nvPr/>
-      </p:nvGrpSpPr>
-      <p:grpSpPr>
-        <a:xfrm>
-          <a:off x="0" y="0"/>
-          <a:ext cx="0" cy="0"/>
-          <a:chOff x="0" y="0"/>
-          <a:chExt cx="0" cy="0"/>
-        </a:xfrm>
-      </p:grpSpPr>
-      <p:sp>
-        <p:nvSpPr>
-          <p:cNvPr id="2" name="Заголовок 1"/>
-          <p:cNvSpPr>
-            <a:spLocks noGrp="1" noChangeArrowheads="1"/>
-            <a:extLst>
-              <a:ext uri="smNativeData">
-                <pr:smNativeData xmlns:pr="smNativeData" xmlns="smNativeData" val="SMDATA_16_xzE7ZxMAAAAlAAAAZAAAAA0AAAAAkAAAAEgAAACQAAAASAAAAAAAAAABAAAAAAAAAAEAAABQAAAAAAAAAAAA4D8AAAAAAADgPwAAAAAAAOA/AAAAAAAA4D8AAAAAAADgPwAAAAAAAOA/AAAAAAAA4D8AAAAAAADgPwAAAAAAAOA/AAAAAAAA4D8CAAAAjAAAAAAAAAAAAAAARHLEDP///wgAAAAAAAAAAAAAAAAAAAAAAAAAAAAAAAAAAAAAZAAAAAEAAABAAAAAAAAAAAAAAAAAAAAAAAAAAAAAAAAAAAAAAAAAAAAAAAAAAAAAAAAAAAAAAAAAAAAAAAAAAAAAAAAAAAAAAAAAAAAAAAAAAAAAAAAAAAAAAAAAAAAAFAAAADwAAAAAAAAAAAAAAAAAAAkUAAAAAQAAABQAAAAUAAAAFAAAAAEAAAAAAAAAZAAAAGQAAAAAAAAAZAAAAGQAAAAVAAAAYAAAAAAAAAAAAAAADwAAACADAAAAAAAAAAAAAAEAAACgMgAAVgcAAKr4//8BAAAAf39/AAEAAABkAAAAAAAAABQAAABAHwAAAAAAACYAAAAAAAAAwOD//wAAAAAmAAAAZAAAABYAAABMAAAAAAAAAAAAAAAEAAAAAAAAAAEAAADn5uYKAAAAACgAAAAoAAAAZAAAAGQAAAAAAAAAzMzMAAAAAABQAAAAUAAAAGQAAABkAAAAAAAAABcAAAAUAAAAAAAAAAAAAAD/fwAA/38AAAAAAAAJAAAABAAAAAAAAAAeAAAAaAAAAAAAAAAAAAAAAAAAAAAAAAAAAAAAECcAABAnAAAAAAAAAAAAAAAAAAAAAAAAAAAAAAAAAAAAAAAAAAAAABQAAAAAAAAAwMD/AAAAAABkAAAAMgAAAAAAAABkAAAAAAAAAH9/fwAKAAAAIgAAABgAAAAAAAAAAAAAAAAAAAAAAAAAAAAAAAAAAAAkAAAAJAAAAAAAAAAHAAAAAAAAAAAAAAAAAAAAAAAAAAAAAAAAAAAAf39/ACUAAABYAAAAAAAAAAAAAAAAAAAAAAAAAAAAAAAAAAAAAAAAAAAAAAAAAAAAAAAAAAAAAAA/AAAAAAAAAKCGAQAAAAAAAAAAAAAAAAAMAAAAAQAAAAAAAAAAAAAAAAAAAB8AAABUAAAARHLEBf///wEAAAAAAAAAAAAAAAAAAAAAAAAAAAAAAAAAAAAAAAAAAAAAAAJ/f38A5+bmA8zMzADAwP8Af39/AAAAAAAAAAAAAAAAAAAAAAAAAAAAIQAAABgAAAAUAAAAKAUAAD8CAADYRQAAZwoAABAAAAAmAAAACAAAAAAAAAAAAAAAMAAAABQAAAAAAAAAAAD//wAAAQAAAP//AAABAA=="/>
-              </a:ext>
-            </a:extLst>
-          </p:cNvSpPr>
-          <p:nvPr>
-            <p:ph type="title"/>
-          </p:nvPr>
-        </p:nvSpPr>
-        <p:spPr/>
-        <p:txBody>
-          <a:bodyPr/>
-          <a:lstStyle/>
-          <a:p>
-            <a:pPr>
-              <a:defRPr lang="ru-ru"/>
-            </a:pPr>
-          </a:p>
-        </p:txBody>
-      </p:sp>
-      <p:sp>
-        <p:nvSpPr>
-          <p:cNvPr id="3" name="Объект 2"/>
-          <p:cNvSpPr>
-            <a:spLocks noGrp="1" noChangeArrowheads="1"/>
-            <a:extLst>
-              <a:ext uri="smNativeData">
-                <pr:smNativeData xmlns:pr="smNativeData" xmlns="smNativeData" val="SMDATA_16_xzE7ZxMAAAAlAAAAZAAAAA0AAAAAkAAAAEgAAACQAAAASAAAAAAAAAAAAAAAAAAAAAEAAABQAAAAAAAAAAAA4D8AAAAAAADgPwAAAAAAAOA/AAAAAAAA4D8AAAAAAADgPwAAAAAAAOA/AAAAAAAA4D8AAAAAAADgPwAAAAAAAOA/AAAAAAAA4D8CAAAAjAAAAAAAAAAAAAAARHLEDP///wgAAAAAAAAAAAAAAAAAAAAAAAAAAAAAAAAAAAAAZAAAAAEAAABAAAAAAAAAAAAAAAAAAAAAAAAAAAAAAAAAAAAAAAAAAAAAAAAAAAAAAAAAAAAAAAAAAAAAAAAAAAAAAAAAAAAAAAAAAAAAAAAAAAAAAAAAAAAAAAAAAAAAFAAAADwAAAAAAAAAAAAAAAAAAAkUAAAAAQAAABQAAAAUAAAAFAAAAAEAAAAAAAAAZAAAAGQAAAAAAAAAZAAAAGQAAAAVAAAAYAAAAAAAAAAAAAAADwAAACADAAAAAAAAAAAAAAEAAACgMgAAVgcAAKr4//8BAAAAf39/AAEAAABkAAAAAAAAABQAAABAHwAAAAAAACYAAAAAAAAAwOD//wAAAAAmAAAAZAAAABYAAABMAAAAAAAAAAAAAAAEAAAAAAAAAAEAAADn5uYKAAAAACgAAAAoAAAAZAAAAGQAAAAAAAAAzMzMAAAAAABQAAAAUAAAAGQAAABkAAAAAAAAABcAAAAUAAAAAAAAAAAAAAD/fwAA/38AAAAAAAAJAAAABAAAAAAAAAAeAAAAaAAAAAAAAAAAAAAAAAAAAAAAAAAAAAAAECcAABAnAAAAAAAAAAAAAAAAAAAAAAAAAAAAAAAAAAAAAAAAAAAAABQAAAAAAAAAwMD/AAAAAABkAAAAMgAAAAAAAABkAAAAAAAAAH9/fwAKAAAAIgAAABgAAAAAAAAAAAAAAAAAAAAAAAAAAAAAAAAAAAAkAAAAJAAAAAAAAAAHAAAAAAAAAAAAAAAAAAAAAAAAAAAAAAAAAAAAf39/ACUAAABYAAAAAAAAAAAAAAAAAAAAAAAAAAAAAAAAAAAAAAAAAAAAAAAAAAAAAAAAAAAAAAA/AAAAAAAAAKCGAQAAAAAAAAAAAAAAAAAMAAAAAQAAAAAAAAAAAAAAAAAAAB8AAABUAAAARHLEBf///wEAAAAAAAAAAAAAAAAAAAAAAAAAAAAAAAAAAAAAAAAAAAAAAAJ/f38A5+bmA8zMzADAwP8Af39/AAAAAAAAAAAAAAAAAAAAAAAAAAAAIQAAABgAAAAUAAAAKAUAADsLAADYRQAAACYAABAAAAAmAAAACAAAAAAAAAAAAAAAMAAAABQAAAAAAAAAAAD//wAAAQAAAP//AAABAA=="/>
-              </a:ext>
-            </a:extLst>
-          </p:cNvSpPr>
-          <p:nvPr>
-            <p:ph type="body" idx="1"/>
-          </p:nvPr>
-        </p:nvSpPr>
-        <p:spPr/>
-        <p:txBody>
-          <a:bodyPr/>
-          <a:lstStyle/>
-          <a:p>
-            <a:pPr>
-              <a:defRPr lang="ru-ru"/>
-            </a:pPr>
-          </a:p>
-        </p:txBody>
-      </p:sp>
-      <p:pic>
-        <p:nvPicPr>
-          <p:cNvPr id="4" name="Рисунок 4"/>
-          <p:cNvPicPr>
-            <a:picLocks noChangeAspect="1"/>
-            <a:extLst>
-              <a:ext uri="smNativeData">
-                <pr:smNativeData xmlns:pr="smNativeData" xmlns="smNativeData" val="SMDATA_18_xzE7ZxMAAAAlAAAAEQAAAC0AAAAAkAAAAEgAAACQAAAASAAAAAAAAAAAAAAAAAAAAAEAAABQAAAAAAAAAAAA4D8AAAAAAADgPwAAAAAAAOA/AAAAAAAA4D8AAAAAAADgPwAAAAAAAOA/AAAAAAAA4D8AAAAAAADgPwAAAAAAAOA/AAAAAAAA4D8CAAAAjAAAAAAAAAAAAAAARHLEDP///wgAAAAAAAAAAAAAAAAAAAAAAAAAAAAAAAAAAAAAZAAAAAEAAABAAAAAAAAAAAAAAAAAAAAAAAAAAAAAAAAAAAAAAAAAAAAAAAAAAAAAAAAAAAAAAAAAAAAAAAAAAAAAAAAAAAAAAAAAAAAAAAAAAAAAAAAAAAAAAAAAAAAAFAAAADwAAAAAAAAAAAAAAAAAAAkUAAAAAQAAABQAAAAUAAAAFAAAAAEAAAAAAAAAZAAAAGQAAAAAAAAAZAAAAGQAAAAVAAAAYAAAAAAAAAAAAAAADwAAACADAAAAAAAAAAAAAAEAAACgMgAAVgcAAKr4//8BAAAAf39/AAEAAABkAAAAAAAAABQAAABAHwAAAAAAACYAAAAAAAAAwOD//wAAAAAmAAAAZAAAABYAAABMAAAAAAAAAAAAAAAEAAAAAAAAAAEAAADn5uYKAAAAACgAAAAoAAAAZAAAAGQAAAAAAAAAzMzMAAAAAABQAAAAUAAAAGQAAABkAAAAAAAAAAcAAAA4AAAAAAAAAAAAAAAAAAAA////AAAAAAAAAAAAAAAAAAAAAAAAAAAAAAAAAAAAAABkAAAAZAAAAAAAAAAjAAAABAAAAGQAAAAXAAAAFAAAAAAAAAAAAAAA/38AAP9/AAAAAAAACQAAAAQAAAD/////HgAAAGgAAAAAAAAAAAAAAAAAAAAAAAAAAAAAABAnAAAQJwAAAAAAAAAAAAAAAAAAAAAAAAAAAAAAAAAAAAAAAAAAAAAUAAAAAAAAAMDA/wAAAAAAZAAAADIAAAAAAAAAZAAAAAAAAAB/f38ACgAAACIAAAAYAAAAAAAAAAAAAAAAAAAAAAAAAAAAAAAAAAAAJAAAACQAAAAAAAAABwAAAAAAAAAAAAAAAAAAAAAAAAAAAAAAAAAAAH9/fwAlAAAAWAAAAAAAAAAAAAAAAAAAAAAAAAAAAAAAAAAAAAAAAAAAAAAAAAAAAAAAAAAAAAAAPwAAAAAAAACghgEAAAAAAAAAAAAAAAAADAAAAAEAAAAAAAAAAAAAAAAAAAAfAAAAVAAAAERyxAX///8BAAAAAAAAAAAAAAAAAAAAAAAAAAAAAAAAAAAAAAAAAAAAAAACf39/AOfm5gPMzMwAwMD/AH9/fwAAAAAAAAAAAAAAAAD///8AAAAAACEAAAAYAAAAFAAAADoDAABrBgAAdSIAAMMmAAAQAAAAJgAAAAgAAAD//////////zAAAAAUAAAAAAAAAAAA//8AAAEAAAD//wAAAQA="/>
-              </a:ext>
-            </a:extLst>
-          </p:cNvPicPr>
-          <p:nvPr/>
-        </p:nvPicPr>
-        <p:blipFill>
-          <a:blip r:embed="rId2"/>
-          <a:stretch>
-            <a:fillRect/>
-          </a:stretch>
-        </p:blipFill>
-        <p:spPr>
-          <a:xfrm>
-            <a:off x="524510" y="1043305"/>
-            <a:ext cx="5076825" cy="5257800"/>
-          </a:xfrm>
-          <a:prstGeom prst="rect">
-            <a:avLst/>
-          </a:prstGeom>
-          <a:noFill/>
-          <a:ln>
-            <a:noFill/>
-          </a:ln>
-          <a:effectLst/>
         </p:spPr>
       </p:pic>
     </p:spTree>
@@ -6054,7 +5602,7 @@
 </file>
 
 <file path=ppt/slides/slide2.xml><?xml version="1.0" encoding="utf-8"?>
-<p:sld xmlns:p="http://schemas.openxmlformats.org/presentationml/2006/main" xmlns:mc="http://schemas.openxmlformats.org/markup-compatibility/2006" xmlns:p14="http://schemas.microsoft.com/office/powerpoint/2010/main" xmlns:p15="http://schemas.microsoft.com/office/powerpoint/2012/main" xmlns:r="http://schemas.openxmlformats.org/officeDocument/2006/relationships" xmlns:a="http://schemas.openxmlformats.org/drawingml/2006/main" mc:Ignorable="p14">
+<p:sld xmlns:a="http://schemas.openxmlformats.org/drawingml/2006/main" xmlns:r="http://schemas.openxmlformats.org/officeDocument/2006/relationships" xmlns:p="http://schemas.openxmlformats.org/presentationml/2006/main">
   <p:cSld>
     <p:spTree>
       <p:nvGrpSpPr>
@@ -6077,7 +5625,7 @@
             <a:spLocks noGrp="1" noChangeArrowheads="1"/>
             <a:extLst>
               <a:ext uri="smNativeData">
-                <pr:smNativeData xmlns:pr="smNativeData" xmlns="smNativeData" val="SMDATA_16_xzE7ZxMAAAAlAAAAZAAAAA0AAAAAkAAAAEgAAACQAAAASAAAAAAAAAABAAAAAAAAAAEAAABQAAAAAAAAAAAA4D8AAAAAAADgPwAAAAAAAOA/AAAAAAAA4D8AAAAAAADgPwAAAAAAAOA/AAAAAAAA4D8AAAAAAADgPwAAAAAAAOA/AAAAAAAA4D8CAAAAjAAAAAAAAAAAAAAARHLEDP///wgAAAAAAAAAAAAAAAAAAAAAAAAAAAAAAAAAAAAAZAAAAAEAAABAAAAAAAAAAAAAAAAAAAAAAAAAAAAAAAAAAAAAAAAAAAAAAAAAAAAAAAAAAAAAAAAAAAAAAAAAAAAAAAAAAAAAAAAAAAAAAAAAAAAAAAAAAAAAAAAAAAAAFAAAADwAAAAAAAAAAAAAAAAAAAkUAAAAAQAAABQAAAAUAAAAFAAAAAEAAAAAAAAAZAAAAGQAAAAAAAAAZAAAAGQAAAAVAAAAYAAAAAAAAAAAAAAADwAAACADAAAAAAAAAAAAAAEAAACgMgAAVgcAAKr4//8BAAAAf39/AAEAAABkAAAAAAAAABQAAABAHwAAAAAAACYAAAAAAAAAwOD//wAAAAAmAAAAZAAAABYAAABMAAAAAAAAAAAAAAAEAAAAAAAAAAEAAADn5uYKAAAAACgAAAAoAAAAZAAAAGQAAAAAAAAAzMzMAAAAAABQAAAAUAAAAGQAAABkAAAAAAAAABcAAAAUAAAAAAAAAAAAAAD/fwAA/38AAAAAAAAJAAAABAAAAAAAAAAeAAAAaAAAAAAAAAAAAAAAAAAAAAAAAAAAAAAAECcAABAnAAAAAAAAAAAAAAAAAAAAAAAAAAAAAAAAAAAAAAAAAAAAABQAAAAAAAAAwMD/AAAAAABkAAAAMgAAAAAAAABkAAAAAAAAAH9/fwAKAAAAIgAAABgAAAAAAAAAAAAAAAAAAAAAAAAAAAAAAAAAAAAkAAAAJAAAAAAAAAAHAAAAAAAAAAAAAAAAAAAAAAAAAAAAAAAAAAAAf39/ACUAAABYAAAAAAAAAAAAAAAAAAAAAAAAAAAAAAAAAAAAAAAAAAAAAAAAAAAAAAAAAAAAAAA/AAAAAAAAAKCGAQAAAAAAAAAAAAAAAAAMAAAAAQAAAAAAAAAAAAAAAAAAAB8AAABUAAAARHLEBf///wEAAAAAAAAAAAAAAAAAAAAAAAAAAAAAAAAAAAAAAAAAAAAAAAJ/f38A5+bmA8zMzADAwP8Af39/AAAAAAAAAAAAAAAAAAAAAAAAAAAAIQAAABgAAAAUAAAAKAUAAD8CAADYRQAAZwoAABAAAAAmAAAACAAAAAAAAAAAAAAAMAAAABQAAAAAAAAAAAD//wAAAQAAAP//AAABAA=="/>
+                <pr:smNativeData xmlns:mc="http://schemas.openxmlformats.org/markup-compatibility/2006" xmlns:p14="http://schemas.microsoft.com/office/powerpoint/2010/main" xmlns:p15="http://schemas.microsoft.com/office/powerpoint/2012/main" xmlns:pr="smNativeData" xmlns="smNativeData" val="SMDATA_16_xzE7ZxMAAAAlAAAAZAAAAA0AAAAAkAAAAEgAAACQAAAASAAAAAAAAAABAAAAAAAAAAEAAABQAAAAAAAAAAAA4D8AAAAAAADgPwAAAAAAAOA/AAAAAAAA4D8AAAAAAADgPwAAAAAAAOA/AAAAAAAA4D8AAAAAAADgPwAAAAAAAOA/AAAAAAAA4D8CAAAAjAAAAAAAAAAAAAAARHLEDP///wgAAAAAAAAAAAAAAAAAAAAAAAAAAAAAAAAAAAAAZAAAAAEAAABAAAAAAAAAAAAAAAAAAAAAAAAAAAAAAAAAAAAAAAAAAAAAAAAAAAAAAAAAAAAAAAAAAAAAAAAAAAAAAAAAAAAAAAAAAAAAAAAAAAAAAAAAAAAAAAAAAAAAFAAAADwAAAAAAAAAAAAAAAAAAAkUAAAAAQAAABQAAAAUAAAAFAAAAAEAAAAAAAAAZAAAAGQAAAAAAAAAZAAAAGQAAAAVAAAAYAAAAAAAAAAAAAAADwAAACADAAAAAAAAAAAAAAEAAACgMgAAVgcAAKr4//8BAAAAf39/AAEAAABkAAAAAAAAABQAAABAHwAAAAAAACYAAAAAAAAAwOD//wAAAAAmAAAAZAAAABYAAABMAAAAAAAAAAAAAAAEAAAAAAAAAAEAAADn5uYKAAAAACgAAAAoAAAAZAAAAGQAAAAAAAAAzMzMAAAAAABQAAAAUAAAAGQAAABkAAAAAAAAABcAAAAUAAAAAAAAAAAAAAD/fwAA/38AAAAAAAAJAAAABAAAAAAAAAAeAAAAaAAAAAAAAAAAAAAAAAAAAAAAAAAAAAAAECcAABAnAAAAAAAAAAAAAAAAAAAAAAAAAAAAAAAAAAAAAAAAAAAAABQAAAAAAAAAwMD/AAAAAABkAAAAMgAAAAAAAABkAAAAAAAAAH9/fwAKAAAAIgAAABgAAAAAAAAAAAAAAAAAAAAAAAAAAAAAAAAAAAAkAAAAJAAAAAAAAAAHAAAAAAAAAAAAAAAAAAAAAAAAAAAAAAAAAAAAf39/ACUAAABYAAAAAAAAAAAAAAAAAAAAAAAAAAAAAAAAAAAAAAAAAAAAAAAAAAAAAAAAAAAAAAA/AAAAAAAAAKCGAQAAAAAAAAAAAAAAAAAMAAAAAQAAAAAAAAAAAAAAAAAAAB8AAABUAAAARHLEBf///wEAAAAAAAAAAAAAAAAAAAAAAAAAAAAAAAAAAAAAAAAAAAAAAAJ/f38A5+bmA8zMzADAwP8Af39/AAAAAAAAAAAAAAAAAAAAAAAAAAAAIQAAABgAAAAUAAAAKAUAAD8CAADYRQAAZwoAABAAAAAmAAAACAAAAAAAAAAAAAAAMAAAABQAAAAAAAAAAAD//wAAAQAAAP//AAABAA=="/>
               </a:ext>
             </a:extLst>
           </p:cNvSpPr>
@@ -6093,6 +5641,7 @@
             <a:pPr>
               <a:defRPr lang="ru-ru"/>
             </a:pPr>
+            <a:endParaRPr/>
           </a:p>
         </p:txBody>
       </p:sp>
@@ -6103,7 +5652,7 @@
             <a:spLocks noGrp="1" noChangeArrowheads="1"/>
             <a:extLst>
               <a:ext uri="smNativeData">
-                <pr:smNativeData xmlns:pr="smNativeData" xmlns="smNativeData" val="SMDATA_16_xzE7ZxMAAAAlAAAAZAAAAA0AAAAAkAAAAEgAAACQAAAASAAAAAAAAAAAAAAAAAAAAAEAAABQAAAAAAAAAAAA4D8AAAAAAADgPwAAAAAAAOA/AAAAAAAA4D8AAAAAAADgPwAAAAAAAOA/AAAAAAAA4D8AAAAAAADgPwAAAAAAAOA/AAAAAAAA4D8CAAAAjAAAAAAAAAAAAAAARHLEDP///wgAAAAAAAAAAAAAAAAAAAAAAAAAAAAAAAAAAAAAZAAAAAEAAABAAAAAAAAAAAAAAAAAAAAAAAAAAAAAAAAAAAAAAAAAAAAAAAAAAAAAAAAAAAAAAAAAAAAAAAAAAAAAAAAAAAAAAAAAAAAAAAAAAAAAAAAAAAAAAAAAAAAAFAAAADwAAAAAAAAAAAAAAAAAAAkUAAAAAQAAABQAAAAUAAAAFAAAAAEAAAAAAAAAZAAAAGQAAAAAAAAAZAAAAGQAAAAVAAAAYAAAAAAAAAAAAAAADwAAACADAAAAAAAAAAAAAAEAAACgMgAAVgcAAKr4//8BAAAAf39/AAEAAABkAAAAAAAAABQAAABAHwAAAAAAACYAAAAAAAAAwOD//wAAAAAmAAAAZAAAABYAAABMAAAAAAAAAAAAAAAEAAAAAAAAAAEAAADn5uYKAAAAACgAAAAoAAAAZAAAAGQAAAAAAAAAzMzMAAAAAABQAAAAUAAAAGQAAABkAAAAAAAAABcAAAAUAAAAAAAAAAAAAAD/fwAA/38AAAAAAAAJAAAABAAAAAAAAAAeAAAAaAAAAAAAAAAAAAAAAAAAAAAAAAAAAAAAECcAABAnAAAAAAAAAAAAAAAAAAAAAAAAAAAAAAAAAAAAAAAAAAAAABQAAAAAAAAAwMD/AAAAAABkAAAAMgAAAAAAAABkAAAAAAAAAH9/fwAKAAAAIgAAABgAAAAAAAAAAAAAAAAAAAAAAAAAAAAAAAAAAAAkAAAAJAAAAAAAAAAHAAAAAAAAAAAAAAAAAAAAAAAAAAAAAAAAAAAAf39/ACUAAABYAAAAAAAAAAAAAAAAAAAAAAAAAAAAAAAAAAAAAAAAAAAAAAAAAAAAAAAAAAAAAAA/AAAAAAAAAKCGAQAAAAAAAAAAAAAAAAAMAAAAAQAAAAAAAAAAAAAAAAAAAB8AAABUAAAARHLEBf///wEAAAAAAAAAAAAAAAAAAAAAAAAAAAAAAAAAAAAAAAAAAAAAAAJ/f38A5+bmA8zMzADAwP8Af39/AAAAAAAAAAAAAAAAAAAAAAAAAAAAIQAAABgAAAAUAAAAKAUAADsLAADYRQAAACYAABAAAAAmAAAACAAAAAAAAAAAAAAAMAAAABQAAAAAAAAAAAD//wAAAQAAAP//AAABAA=="/>
+                <pr:smNativeData xmlns:mc="http://schemas.openxmlformats.org/markup-compatibility/2006" xmlns:p14="http://schemas.microsoft.com/office/powerpoint/2010/main" xmlns:p15="http://schemas.microsoft.com/office/powerpoint/2012/main" xmlns:pr="smNativeData" xmlns="smNativeData" val="SMDATA_16_xzE7ZxMAAAAlAAAAZAAAAA0AAAAAkAAAAEgAAACQAAAASAAAAAAAAAAAAAAAAAAAAAEAAABQAAAAAAAAAAAA4D8AAAAAAADgPwAAAAAAAOA/AAAAAAAA4D8AAAAAAADgPwAAAAAAAOA/AAAAAAAA4D8AAAAAAADgPwAAAAAAAOA/AAAAAAAA4D8CAAAAjAAAAAAAAAAAAAAARHLEDP///wgAAAAAAAAAAAAAAAAAAAAAAAAAAAAAAAAAAAAAZAAAAAEAAABAAAAAAAAAAAAAAAAAAAAAAAAAAAAAAAAAAAAAAAAAAAAAAAAAAAAAAAAAAAAAAAAAAAAAAAAAAAAAAAAAAAAAAAAAAAAAAAAAAAAAAAAAAAAAAAAAAAAAFAAAADwAAAAAAAAAAAAAAAAAAAkUAAAAAQAAABQAAAAUAAAAFAAAAAEAAAAAAAAAZAAAAGQAAAAAAAAAZAAAAGQAAAAVAAAAYAAAAAAAAAAAAAAADwAAACADAAAAAAAAAAAAAAEAAACgMgAAVgcAAKr4//8BAAAAf39/AAEAAABkAAAAAAAAABQAAABAHwAAAAAAACYAAAAAAAAAwOD//wAAAAAmAAAAZAAAABYAAABMAAAAAAAAAAAAAAAEAAAAAAAAAAEAAADn5uYKAAAAACgAAAAoAAAAZAAAAGQAAAAAAAAAzMzMAAAAAABQAAAAUAAAAGQAAABkAAAAAAAAABcAAAAUAAAAAAAAAAAAAAD/fwAA/38AAAAAAAAJAAAABAAAAAAAAAAeAAAAaAAAAAAAAAAAAAAAAAAAAAAAAAAAAAAAECcAABAnAAAAAAAAAAAAAAAAAAAAAAAAAAAAAAAAAAAAAAAAAAAAABQAAAAAAAAAwMD/AAAAAABkAAAAMgAAAAAAAABkAAAAAAAAAH9/fwAKAAAAIgAAABgAAAAAAAAAAAAAAAAAAAAAAAAAAAAAAAAAAAAkAAAAJAAAAAAAAAAHAAAAAAAAAAAAAAAAAAAAAAAAAAAAAAAAAAAAf39/ACUAAABYAAAAAAAAAAAAAAAAAAAAAAAAAAAAAAAAAAAAAAAAAAAAAAAAAAAAAAAAAAAAAAA/AAAAAAAAAKCGAQAAAAAAAAAAAAAAAAAMAAAAAQAAAAAAAAAAAAAAAAAAAB8AAABUAAAARHLEBf///wEAAAAAAAAAAAAAAAAAAAAAAAAAAAAAAAAAAAAAAAAAAAAAAAJ/f38A5+bmA8zMzADAwP8Af39/AAAAAAAAAAAAAAAAAAAAAAAAAAAAIQAAABgAAAAUAAAAKAUAADsLAADYRQAAACYAABAAAAAmAAAACAAAAAAAAAAAAAAAMAAAABQAAAAAAAAAAAD//wAAAQAAAP//AAABAA=="/>
               </a:ext>
             </a:extLst>
           </p:cNvSpPr>
@@ -6119,6 +5668,7 @@
             <a:pPr>
               <a:defRPr lang="ru-ru"/>
             </a:pPr>
+            <a:endParaRPr/>
           </a:p>
         </p:txBody>
       </p:sp>
@@ -6129,7 +5679,7 @@
             <a:picLocks noChangeAspect="1"/>
             <a:extLst>
               <a:ext uri="smNativeData">
-                <pr:smNativeData xmlns:pr="smNativeData" xmlns="smNativeData" val="SMDATA_18_xzE7ZxMAAAAlAAAAEQAAAC8BAAAAkAAAAEgAAACQAAAASAAAAAAAAAAAAAAAAAAAAAEAAABQAAAAAAAAAAAA4D8AAAAAAADgPwAAAAAAAOA/AAAAAAAA4D8AAAAAAADgPwAAAAAAAOA/AAAAAAAA4D8AAAAAAADgPwAAAAAAAOA/AAAAAAAA4D8CAAAAjAAAAAAAAAAAAAAARHLEDP///wgAAAAAAAAAAAAAAAAAAAAAAAAAAAAAAAAAAAAAZAAAAAEAAABAAAAAAAAAAAAAAAAAAAAAAAAAAAAAAAAAAAAAAAAAAAAAAAAAAAAAAAAAAAAAAAAAAAAAAAAAAAAAAAAAAAAAAAAAAAAAAAAAAAAAAAAAAAAAAAAAAAAAFAAAADwAAAAAAAAAAAAAAAAAAAkUAAAAAQAAABQAAAAUAAAAFAAAAAEAAAAAAAAAZAAAAGQAAAAAAAAAZAAAAGQAAAAVAAAAYAAAAAAAAAAAAAAADwAAACADAAAAAAAAAAAAAAEAAACgMgAAVgcAAKr4//8BAAAAf39/AAEAAABkAAAAAAAAABQAAABAHwAAAAAAACYAAAAAAAAAwOD//wAAAAAmAAAAZAAAABYAAABMAAAAAAAAAAAAAAAEAAAAAAAAAAEAAADn5uYKAAAAACgAAAAoAAAAZAAAAGQAAAAAAAAAzMzMAAAAAABQAAAAUAAAAGQAAABkAAAAAAAAAAcAAAA4AAAAAAAAAAAAAAAAAAAA////AAAAAAAAAAAAAAAAAAAAAAAAAAAAAAAAAAAAAABkAAAAZAAAAAAAAAAjAAAABAAAAGQAAAAXAAAAFAAAAAAAAAAAAAAA/38AAP9/AAAAAAAACQAAAAQAAAAAAAAAHgAAAGgAAAAAAAAAAAAAAAAAAAAAAAAAAAAAABAnAAAQJwAAAAAAAAAAAAAAAAAAAAAAAAAAAAAAAAAAAAAAAAAAAAAUAAAAAAAAAMDA/wAAAAAAZAAAADIAAAAAAAAAZAAAAAAAAAB/f38ACgAAACIAAAAYAAAAAAAAAAAAAAAAAAAAAAAAAAAAAAAAAAAAJAAAACQAAAAAAAAABwAAAAAAAAAAAAAAAAAAAAAAAAAAAAAAAAAAAH9/fwAlAAAAWAAAAAAAAAAAAAAAAAAAAAAAAAAAAAAAAAAAAAAAAAAAAAAAAAAAAAAAAAAAAAAAPwAAAAAAAACghgEAAAAAAAAAAAAAAAAADAAAAAEAAAAAAAAAAAAAAAAAAAAfAAAAVAAAAERyxAX///8BAAAAAAAAAAAAAAAAAAAAAAAAAAAAAAAAAAAAAAAAAAAAAAACf39/AOfm5gPMzMwAwMD/AH9/fwAAAAAAAAAAAAAAAAD///8AAAAAACEAAAAYAAAAFAAAAP4AAAD9AAAARzMAAL8WAAAQAAAAJgAAAAgAAAD//////////zAAAAAUAAAAAAAAAAAA//8AAAEAAAD//wAAAQA="/>
+                <pr:smNativeData xmlns:mc="http://schemas.openxmlformats.org/markup-compatibility/2006" xmlns:p14="http://schemas.microsoft.com/office/powerpoint/2010/main" xmlns:p15="http://schemas.microsoft.com/office/powerpoint/2012/main" xmlns:pr="smNativeData" xmlns="smNativeData" val="SMDATA_18_xzE7ZxMAAAAlAAAAEQAAAC8BAAAAkAAAAEgAAACQAAAASAAAAAAAAAAAAAAAAAAAAAEAAABQAAAAAAAAAAAA4D8AAAAAAADgPwAAAAAAAOA/AAAAAAAA4D8AAAAAAADgPwAAAAAAAOA/AAAAAAAA4D8AAAAAAADgPwAAAAAAAOA/AAAAAAAA4D8CAAAAjAAAAAAAAAAAAAAARHLEDP///wgAAAAAAAAAAAAAAAAAAAAAAAAAAAAAAAAAAAAAZAAAAAEAAABAAAAAAAAAAAAAAAAAAAAAAAAAAAAAAAAAAAAAAAAAAAAAAAAAAAAAAAAAAAAAAAAAAAAAAAAAAAAAAAAAAAAAAAAAAAAAAAAAAAAAAAAAAAAAAAAAAAAAFAAAADwAAAAAAAAAAAAAAAAAAAkUAAAAAQAAABQAAAAUAAAAFAAAAAEAAAAAAAAAZAAAAGQAAAAAAAAAZAAAAGQAAAAVAAAAYAAAAAAAAAAAAAAADwAAACADAAAAAAAAAAAAAAEAAACgMgAAVgcAAKr4//8BAAAAf39/AAEAAABkAAAAAAAAABQAAABAHwAAAAAAACYAAAAAAAAAwOD//wAAAAAmAAAAZAAAABYAAABMAAAAAAAAAAAAAAAEAAAAAAAAAAEAAADn5uYKAAAAACgAAAAoAAAAZAAAAGQAAAAAAAAAzMzMAAAAAABQAAAAUAAAAGQAAABkAAAAAAAAAAcAAAA4AAAAAAAAAAAAAAAAAAAA////AAAAAAAAAAAAAAAAAAAAAAAAAAAAAAAAAAAAAABkAAAAZAAAAAAAAAAjAAAABAAAAGQAAAAXAAAAFAAAAAAAAAAAAAAA/38AAP9/AAAAAAAACQAAAAQAAAAAAAAAHgAAAGgAAAAAAAAAAAAAAAAAAAAAAAAAAAAAABAnAAAQJwAAAAAAAAAAAAAAAAAAAAAAAAAAAAAAAAAAAAAAAAAAAAAUAAAAAAAAAMDA/wAAAAAAZAAAADIAAAAAAAAAZAAAAAAAAAB/f38ACgAAACIAAAAYAAAAAAAAAAAAAAAAAAAAAAAAAAAAAAAAAAAAJAAAACQAAAAAAAAABwAAAAAAAAAAAAAAAAAAAAAAAAAAAAAAAAAAAH9/fwAlAAAAWAAAAAAAAAAAAAAAAAAAAAAAAAAAAAAAAAAAAAAAAAAAAAAAAAAAAAAAAAAAAAAAPwAAAAAAAACghgEAAAAAAAAAAAAAAAAADAAAAAEAAAAAAAAAAAAAAAAAAAAfAAAAVAAAAERyxAX///8BAAAAAAAAAAAAAAAAAAAAAAAAAAAAAAAAAAAAAAAAAAAAAAACf39/AOfm5gPMzMwAwMD/AH9/fwAAAAAAAAAAAAAAAAD///8AAAAAACEAAAAYAAAAFAAAAP4AAAD9AAAARzMAAL8WAAAQAAAAJgAAAAgAAAD//////////zAAAAAUAAAAAAAAAAAA//8AAAEAAAD//wAAAQA="/>
               </a:ext>
             </a:extLst>
           </p:cNvPicPr>
@@ -6163,7 +5713,7 @@
             <a:picLocks noChangeAspect="1"/>
             <a:extLst>
               <a:ext uri="smNativeData">
-                <pr:smNativeData xmlns:pr="smNativeData" xmlns="smNativeData" val="SMDATA_18_xzE7ZxMAAAAlAAAAEQAAAC8BAAAAkAAAAEgAAACQAAAASAAAAAAAAAAAAAAAAAAAAAEAAABQAAAAAAAAAAAA4D8AAAAAAADgPwAAAAAAAOA/AAAAAAAA4D8AAAAAAADgPwAAAAAAAOA/AAAAAAAA4D8AAAAAAADgPwAAAAAAAOA/AAAAAAAA4D8CAAAAjAAAAAAAAAAAAAAARHLEDP///wgAAAAAAAAAAAAAAAAAAAAAAAAAAAAAAAAAAAAAZAAAAAEAAABAAAAAAAAAAAAAAAAAAAAAAAAAAAAAAAAAAAAAAAAAAAAAAAAAAAAAAAAAAAAAAAAAAAAAAAAAAAAAAAAAAAAAAAAAAAAAAAAAAAAAAAAAAAAAAAAAAAAAFAAAADwAAAAAAAAAAAAAAAAAAAkUAAAAAQAAABQAAAAUAAAAFAAAAAEAAAAAAAAAZAAAAGQAAAAAAAAAZAAAAGQAAAAVAAAAYAAAAAAAAAAAAAAADwAAACADAAAAAAAAAAAAAAEAAACgMgAAVgcAAKr4//8BAAAAf39/AAEAAABkAAAAAAAAABQAAABAHwAAAAAAACYAAAAAAAAAwOD//wAAAAAmAAAAZAAAABYAAABMAAAAAAAAAAAAAAAEAAAAAAAAAAEAAADn5uYKAAAAACgAAAAoAAAAZAAAAGQAAAAAAAAAzMzMAAAAAABQAAAAUAAAAGQAAABkAAAAAAAAAAcAAAA4AAAAAAAAAAAAAAAAAAAA////AAAAAAAAAAAAAAAAAAAAAAAAAAAAAAAAAAAAAABkAAAAZAAAAAAAAAAjAAAABAAAAGQAAAAXAAAAFAAAAAAAAAAAAAAA/38AAP9/AAAAAAAACQAAAAQAAAAAAAAAHgAAAGgAAAAAAAAAAAAAAAAAAAAAAAAAAAAAABAnAAAQJwAAAAAAAAAAAAAAAAAAAAAAAAAAAAAAAAAAAAAAAAAAAAAUAAAAAAAAAMDA/wAAAAAAZAAAADIAAAAAAAAAZAAAAAAAAAB/f38ACgAAACIAAAAYAAAAAAAAAAAAAAAAAAAAAAAAAAAAAAAAAAAAJAAAACQAAAAAAAAABwAAAAAAAAAAAAAAAAAAAAAAAAAAAAAAAAAAAH9/fwAlAAAAWAAAAAAAAAAAAAAAAAAAAAAAAAAAAAAAAAAAAAAAAAAAAAAAAAAAAAAAAAAAAAAAPwAAAAAAAACghgEAAAAAAAAAAAAAAAAADAAAAAEAAAAAAAAAAAAAAAAAAAAfAAAAVAAAAERyxAX///8BAAAAAAAAAAAAAAAAAAAAAAAAAAAAAAAAAAAAAAAAAAAAAAACf39/AOfm5gPMzMwAwMD/AH9/fwAAAAAAAAAAAAAAAAD///8AAAAAACEAAAAYAAAAFAAAAIYBAADbGAAAyBoAAOEmAAAQAAAAJgAAAAgAAAD//////////zAAAAAUAAAAAAAAAAAA//8AAAEAAAD//wAAAQA="/>
+                <pr:smNativeData xmlns:mc="http://schemas.openxmlformats.org/markup-compatibility/2006" xmlns:p14="http://schemas.microsoft.com/office/powerpoint/2010/main" xmlns:p15="http://schemas.microsoft.com/office/powerpoint/2012/main" xmlns:pr="smNativeData" xmlns="smNativeData" val="SMDATA_18_xzE7ZxMAAAAlAAAAEQAAAC8BAAAAkAAAAEgAAACQAAAASAAAAAAAAAAAAAAAAAAAAAEAAABQAAAAAAAAAAAA4D8AAAAAAADgPwAAAAAAAOA/AAAAAAAA4D8AAAAAAADgPwAAAAAAAOA/AAAAAAAA4D8AAAAAAADgPwAAAAAAAOA/AAAAAAAA4D8CAAAAjAAAAAAAAAAAAAAARHLEDP///wgAAAAAAAAAAAAAAAAAAAAAAAAAAAAAAAAAAAAAZAAAAAEAAABAAAAAAAAAAAAAAAAAAAAAAAAAAAAAAAAAAAAAAAAAAAAAAAAAAAAAAAAAAAAAAAAAAAAAAAAAAAAAAAAAAAAAAAAAAAAAAAAAAAAAAAAAAAAAAAAAAAAAFAAAADwAAAAAAAAAAAAAAAAAAAkUAAAAAQAAABQAAAAUAAAAFAAAAAEAAAAAAAAAZAAAAGQAAAAAAAAAZAAAAGQAAAAVAAAAYAAAAAAAAAAAAAAADwAAACADAAAAAAAAAAAAAAEAAACgMgAAVgcAAKr4//8BAAAAf39/AAEAAABkAAAAAAAAABQAAABAHwAAAAAAACYAAAAAAAAAwOD//wAAAAAmAAAAZAAAABYAAABMAAAAAAAAAAAAAAAEAAAAAAAAAAEAAADn5uYKAAAAACgAAAAoAAAAZAAAAGQAAAAAAAAAzMzMAAAAAABQAAAAUAAAAGQAAABkAAAAAAAAAAcAAAA4AAAAAAAAAAAAAAAAAAAA////AAAAAAAAAAAAAAAAAAAAAAAAAAAAAAAAAAAAAABkAAAAZAAAAAAAAAAjAAAABAAAAGQAAAAXAAAAFAAAAAAAAAAAAAAA/38AAP9/AAAAAAAACQAAAAQAAAAAAAAAHgAAAGgAAAAAAAAAAAAAAAAAAAAAAAAAAAAAABAnAAAQJwAAAAAAAAAAAAAAAAAAAAAAAAAAAAAAAAAAAAAAAAAAAAAUAAAAAAAAAMDA/wAAAAAAZAAAADIAAAAAAAAAZAAAAAAAAAB/f38ACgAAACIAAAAYAAAAAAAAAAAAAAAAAAAAAAAAAAAAAAAAAAAAJAAAACQAAAAAAAAABwAAAAAAAAAAAAAAAAAAAAAAAAAAAAAAAAAAAH9/fwAlAAAAWAAAAAAAAAAAAAAAAAAAAAAAAAAAAAAAAAAAAAAAAAAAAAAAAAAAAAAAAAAAAAAAPwAAAAAAAACghgEAAAAAAAAAAAAAAAAADAAAAAEAAAAAAAAAAAAAAAAAAAAfAAAAVAAAAERyxAX///8BAAAAAAAAAAAAAAAAAAAAAAAAAAAAAAAAAAAAAAAAAAAAAAACf39/AOfm5gPMzMwAwMD/AH9/fwAAAAAAAAAAAAAAAAD///8AAAAAACEAAAAYAAAAFAAAAIYBAADbGAAAyBoAAOEmAAAQAAAAJgAAAAgAAAD//////////zAAAAAUAAAAAAAAAAAA//8AAAEAAAD//wAAAQA="/>
               </a:ext>
             </a:extLst>
           </p:cNvPicPr>
@@ -6197,7 +5747,7 @@
             <a:picLocks noChangeAspect="1"/>
             <a:extLst>
               <a:ext uri="smNativeData">
-                <pr:smNativeData xmlns:pr="smNativeData" xmlns="smNativeData" val="SMDATA_18_xzE7ZxMAAAAlAAAAEQAAAC8BAAAAkAAAAEgAAACQAAAASAAAAAAAAAAAAAAAAAAAAAEAAABQAAAAAAAAAAAA4D8AAAAAAADgPwAAAAAAAOA/AAAAAAAA4D8AAAAAAADgPwAAAAAAAOA/AAAAAAAA4D8AAAAAAADgPwAAAAAAAOA/AAAAAAAA4D8CAAAAjAAAAAAAAAAAAAAARHLEDP///wgAAAAAAAAAAAAAAAAAAAAAAAAAAAAAAAAAAAAAZAAAAAEAAABAAAAAAAAAAAAAAAAAAAAAAAAAAAAAAAAAAAAAAAAAAAAAAAAAAAAAAAAAAAAAAAAAAAAAAAAAAAAAAAAAAAAAAAAAAAAAAAAAAAAAAAAAAAAAAAAAAAAAFAAAADwAAAAAAAAAAAAAAAAAAAkUAAAAAQAAABQAAAAUAAAAFAAAAAEAAAAAAAAAZAAAAGQAAAAAAAAAZAAAAGQAAAAVAAAAYAAAAAAAAAAAAAAADwAAACADAAAAAAAAAAAAAAEAAACgMgAAVgcAAKr4//8BAAAAf39/AAEAAABkAAAAAAAAABQAAABAHwAAAAAAACYAAAAAAAAAwOD//wAAAAAmAAAAZAAAABYAAABMAAAAAAAAAAAAAAAEAAAAAAAAAAEAAADn5uYKAAAAACgAAAAoAAAAZAAAAGQAAAAAAAAAzMzMAAAAAABQAAAAUAAAAGQAAABkAAAAAAAAAAcAAAA4AAAAAAAAAAAAAAAAAAAA////AAAAAAAAAAAAAAAAAAAAAAAAAAAAAAAAAAAAAABkAAAAZAAAAAAAAAAjAAAABAAAAGQAAAAXAAAAFAAAAAAAAAAAAAAA/38AAP9/AAAAAAAACQAAAAQAAABkAAAAHgAAAGgAAAAAAAAAAAAAAAAAAAAAAAAAAAAAABAnAAAQJwAAAAAAAAAAAAAAAAAAAAAAAAAAAAAAAAAAAAAAAAAAAAAUAAAAAAAAAMDA/wAAAAAAZAAAADIAAAAAAAAAZAAAAAAAAAB/f38ACgAAACIAAAAYAAAAAAAAAAAAAAAAAAAAAAAAAAAAAAAAAAAAJAAAACQAAAAAAAAABwAAAAAAAAAAAAAAAAAAAAAAAAAAAAAAAAAAAH9/fwAlAAAAWAAAAAAAAAAAAAAAAAAAAAAAAAAAAAAAAAAAAAAAAAAAAAAAAAAAAAAAAAAAAAAAPwAAAAAAAACghgEAAAAAAAAAAAAAAAAADAAAAAEAAAAAAAAAAAAAAAAAAAAfAAAAVAAAAERyxAX///8BAAAAAAAAAAAAAAAAAAAAAAAAAAAAAAAAAAAAAAAAAAAAAAACf39/AOfm5gPMzMwAwMD/AH9/fwAAAAAAAAAAAAAAAAD///8AAAAAACEAAAAYAAAAFAAAAMMbAADsGwAAjjQAAG0mAAAQAAAAJgAAAAgAAAD//////////zAAAAAUAAAAAAAAAAAA//8AAAEAAAD//wAAAQA="/>
+                <pr:smNativeData xmlns:mc="http://schemas.openxmlformats.org/markup-compatibility/2006" xmlns:p14="http://schemas.microsoft.com/office/powerpoint/2010/main" xmlns:p15="http://schemas.microsoft.com/office/powerpoint/2012/main" xmlns:pr="smNativeData" xmlns="smNativeData" val="SMDATA_18_xzE7ZxMAAAAlAAAAEQAAAC8BAAAAkAAAAEgAAACQAAAASAAAAAAAAAAAAAAAAAAAAAEAAABQAAAAAAAAAAAA4D8AAAAAAADgPwAAAAAAAOA/AAAAAAAA4D8AAAAAAADgPwAAAAAAAOA/AAAAAAAA4D8AAAAAAADgPwAAAAAAAOA/AAAAAAAA4D8CAAAAjAAAAAAAAAAAAAAARHLEDP///wgAAAAAAAAAAAAAAAAAAAAAAAAAAAAAAAAAAAAAZAAAAAEAAABAAAAAAAAAAAAAAAAAAAAAAAAAAAAAAAAAAAAAAAAAAAAAAAAAAAAAAAAAAAAAAAAAAAAAAAAAAAAAAAAAAAAAAAAAAAAAAAAAAAAAAAAAAAAAAAAAAAAAFAAAADwAAAAAAAAAAAAAAAAAAAkUAAAAAQAAABQAAAAUAAAAFAAAAAEAAAAAAAAAZAAAAGQAAAAAAAAAZAAAAGQAAAAVAAAAYAAAAAAAAAAAAAAADwAAACADAAAAAAAAAAAAAAEAAACgMgAAVgcAAKr4//8BAAAAf39/AAEAAABkAAAAAAAAABQAAABAHwAAAAAAACYAAAAAAAAAwOD//wAAAAAmAAAAZAAAABYAAABMAAAAAAAAAAAAAAAEAAAAAAAAAAEAAADn5uYKAAAAACgAAAAoAAAAZAAAAGQAAAAAAAAAzMzMAAAAAABQAAAAUAAAAGQAAABkAAAAAAAAAAcAAAA4AAAAAAAAAAAAAAAAAAAA////AAAAAAAAAAAAAAAAAAAAAAAAAAAAAAAAAAAAAABkAAAAZAAAAAAAAAAjAAAABAAAAGQAAAAXAAAAFAAAAAAAAAAAAAAA/38AAP9/AAAAAAAACQAAAAQAAABkAAAAHgAAAGgAAAAAAAAAAAAAAAAAAAAAAAAAAAAAABAnAAAQJwAAAAAAAAAAAAAAAAAAAAAAAAAAAAAAAAAAAAAAAAAAAAAUAAAAAAAAAMDA/wAAAAAAZAAAADIAAAAAAAAAZAAAAAAAAAB/f38ACgAAACIAAAAYAAAAAAAAAAAAAAAAAAAAAAAAAAAAAAAAAAAAJAAAACQAAAAAAAAABwAAAAAAAAAAAAAAAAAAAAAAAAAAAAAAAAAAAH9/fwAlAAAAWAAAAAAAAAAAAAAAAAAAAAAAAAAAAAAAAAAAAAAAAAAAAAAAAAAAAAAAAAAAAAAAPwAAAAAAAACghgEAAAAAAAAAAAAAAAAADAAAAAEAAAAAAAAAAAAAAAAAAAAfAAAAVAAAAERyxAX///8BAAAAAAAAAAAAAAAAAAAAAAAAAAAAAAAAAAAAAAAAAAAAAAACf39/AOfm5gPMzMwAwMD/AH9/fwAAAAAAAAAAAAAAAAD///8AAAAAACEAAAAYAAAAFAAAAMMbAADsGwAAjjQAAG0mAAAQAAAAJgAAAAgAAAD//////////zAAAAAUAAAAAAAAAAAA//8AAAEAAAD//wAAAQA="/>
               </a:ext>
             </a:extLst>
           </p:cNvPicPr>
@@ -6240,7 +5790,7 @@
 </file>
 
 <file path=ppt/slides/slide3.xml><?xml version="1.0" encoding="utf-8"?>
-<p:sld xmlns:p="http://schemas.openxmlformats.org/presentationml/2006/main" xmlns:mc="http://schemas.openxmlformats.org/markup-compatibility/2006" xmlns:p14="http://schemas.microsoft.com/office/powerpoint/2010/main" xmlns:p15="http://schemas.microsoft.com/office/powerpoint/2012/main" xmlns:r="http://schemas.openxmlformats.org/officeDocument/2006/relationships" xmlns:a="http://schemas.openxmlformats.org/drawingml/2006/main" mc:Ignorable="p14">
+<p:sld xmlns:a="http://schemas.openxmlformats.org/drawingml/2006/main" xmlns:r="http://schemas.openxmlformats.org/officeDocument/2006/relationships" xmlns:p="http://schemas.openxmlformats.org/presentationml/2006/main">
   <p:cSld>
     <p:spTree>
       <p:nvGrpSpPr>
@@ -6263,15 +5813,20 @@
             <a:spLocks noGrp="1" noChangeArrowheads="1"/>
             <a:extLst>
               <a:ext uri="smNativeData">
-                <pr:smNativeData xmlns:pr="smNativeData" xmlns="smNativeData" val="SMDATA_16_xzE7ZxMAAAAlAAAAZAAAAA0AAAAAkAAAAEgAAACQAAAASAAAAAAAAAACAAAAAAAAAAEAAABQAAAAAAAAAAAA4D8AAAAAAADgPwAAAAAAAOA/AAAAAAAA4D8AAAAAAADgPwAAAAAAAOA/AAAAAAAA4D8AAAAAAADgPwAAAAAAAOA/AAAAAAAA4D8CAAAAjAAAAAAAAAAAAAAARHLEDP///wgAAAAAAAAAAAAAAAAAAAAAAAAAAAAAAAAAAAAAZAAAAAEAAABAAAAAAAAAAAAAAAAAAAAAAAAAAAAAAAAAAAAAAAAAAAAAAAAAAAAAAAAAAAAAAAAAAAAAAAAAAAAAAAAAAAAAAAAAAAAAAAAAAAAAAAAAAAAAAAAAAAAAFAAAADwAAAAAAAAAAAAAAAAAAAkUAAAAAQAAABQAAAAUAAAAFAAAAAEAAAAAAAAAZAAAAGQAAAAAAAAAZAAAAGQAAAAVAAAAYAAAAAAAAAAAAAAADwAAACADAAAAAAAAAAAAAAEAAACgMgAAVgcAAKr4//8BAAAAf39/AAEAAABkAAAAAAAAABQAAABAHwAAAAAAACYAAAAAAAAAwOD//wAAAAAmAAAAZAAAABYAAABMAAAAAAAAAAAAAAAEAAAAAAAAAAEAAADn5uYKAAAAACgAAAAoAAAAZAAAAGQAAAAAAAAAzMzMAAAAAABQAAAAUAAAAGQAAABkAAAAAAAAABcAAAAUAAAAAAAAAAAAAAD/fwAA/38AAAAAAAAJAAAABAAAAAAAAAAeAAAAaAAAAAAAAAAAAAAAAAAAAAAAAAAAAAAAECcAABAnAAAAAAAAAAAAAAAAAAAAAAAAAAAAAAAAAAAAAAAAAAAAABQAAAAAAAAAwMD/AAAAAABkAAAAMgAAAAAAAABkAAAAAAAAAH9/fwAKAAAAIgAAABgAAAAAAAAAAAAAAAAAAAAAAAAAAAAAAAAAAAAkAAAAJAAAAAAAAAAHAAAAAAAAAAAAAAAAAAAAAAAAAAAAAAAAAAAAf39/ACUAAABYAAAAAAAAAAAAAAAAAAAAAAAAAAAAAAAAAAAAAAAAAAAAAAAAAAAAAAAAAAAAAAA/AAAAAAAAAKCGAQAAAAAAAAAAAAAAAAAMAAAAAQAAAAAAAAAAAAAAAAAAAB8AAABUAAAARHLEBf///wEAAAAAAAAAAAAAAAAAAAAAAAAAAAAAAAAAAAAAAAAAAAAAAAJ/f38A5+bmA8zMzADAwP8Af39/AAAAAAAAAAAAAAAAAAAAAAAAAAAAIQAAABgAAAAUAAAAYAkAAOgGAACgQQAAmBUAABAAAAAmAAAACAAAAAAAAAAAAAAAMAAAABQAAAAAAAAAAAD//wAAAQAAAP//AAABAA=="/>
-              </a:ext>
-            </a:extLst>
-          </p:cNvSpPr>
-          <p:nvPr>
-            <p:ph type="ctrTitle"/>
-          </p:nvPr>
-        </p:nvSpPr>
-        <p:spPr/>
+                <pr:smNativeData xmlns:mc="http://schemas.openxmlformats.org/markup-compatibility/2006" xmlns:p14="http://schemas.microsoft.com/office/powerpoint/2010/main" xmlns:p15="http://schemas.microsoft.com/office/powerpoint/2012/main" xmlns:pr="smNativeData" xmlns="smNativeData" val="SMDATA_16_xzE7ZxMAAAAlAAAAZAAAAA0AAAAAkAAAAEgAAACQAAAASAAAAAAAAAABAAAAAAAAAAEAAABQAAAAAAAAAAAA4D8AAAAAAADgPwAAAAAAAOA/AAAAAAAA4D8AAAAAAADgPwAAAAAAAOA/AAAAAAAA4D8AAAAAAADgPwAAAAAAAOA/AAAAAAAA4D8CAAAAjAAAAAAAAAAAAAAARHLEDP///wgAAAAAAAAAAAAAAAAAAAAAAAAAAAAAAAAAAAAAZAAAAAEAAABAAAAAAAAAAAAAAAAAAAAAAAAAAAAAAAAAAAAAAAAAAAAAAAAAAAAAAAAAAAAAAAAAAAAAAAAAAAAAAAAAAAAAAAAAAAAAAAAAAAAAAAAAAAAAAAAAAAAAFAAAADwAAAAAAAAAAAAAAAAAAAkUAAAAAQAAABQAAAAUAAAAFAAAAAEAAAAAAAAAZAAAAGQAAAAAAAAAZAAAAGQAAAAVAAAAYAAAAAAAAAAAAAAADwAAACADAAAAAAAAAAAAAAEAAACgMgAAVgcAAKr4//8BAAAAf39/AAEAAABkAAAAAAAAABQAAABAHwAAAAAAACYAAAAAAAAAwOD//wAAAAAmAAAAZAAAABYAAABMAAAAAAAAAAAAAAAEAAAAAAAAAAEAAADn5uYKAAAAACgAAAAoAAAAZAAAAGQAAAAAAAAAzMzMAAAAAABQAAAAUAAAAGQAAABkAAAAAAAAABcAAAAUAAAAAAAAAAAAAAD/fwAA/38AAAAAAAAJAAAABAAAAAAAAAAeAAAAaAAAAAAAAAAAAAAAAAAAAAAAAAAAAAAAECcAABAnAAAAAAAAAAAAAAAAAAAAAAAAAAAAAAAAAAAAAAAAAAAAABQAAAAAAAAAwMD/AAAAAABkAAAAMgAAAAAAAABkAAAAAAAAAH9/fwAKAAAAIgAAABgAAAAAAAAAAAAAAAAAAAAAAAAAAAAAAAAAAAAkAAAAJAAAAAAAAAAHAAAAAAAAAAAAAAAAAAAAAAAAAAAAAAAAAAAAf39/ACUAAABYAAAAAAAAAAAAAAAAAAAAAAAAAAAAAAAAAAAAAAAAAAAAAAAAAAAAAAAAAAAAAAA/AAAAAAAAAKCGAQAAAAAAAAAAAAAAAAAMAAAAAQAAAAAAAAAAAAAAAAAAAB8AAABUAAAARHLEBf///wEAAAAAAAAAAAAAAAAAAAAAAAAAAAAAAAAAAAAAAAAAAAAAAAJ/f38A5+bmA8zMzADAwP8Af39/AAAAAAAAAAAAAAAAAAAAAAAAAAAAIQAAABgAAAAUAAAAKAUAAD8CAADYRQAAZwoAABAAAAAmAAAACAAAAAAAAAAAAAAAMAAAABQAAAAAAAAAAAD//wAAAQAAAP//AAABAA=="/>
+              </a:ext>
+            </a:extLst>
+          </p:cNvSpPr>
+          <p:nvPr>
+            <p:ph type="title"/>
+          </p:nvPr>
+        </p:nvSpPr>
+        <p:spPr>
+          <a:xfrm>
+            <a:off x="838200" y="365125"/>
+            <a:ext cx="10515600" cy="974148"/>
+          </a:xfrm>
+        </p:spPr>
         <p:txBody>
           <a:bodyPr/>
           <a:lstStyle/>
@@ -6279,22 +5834,27 @@
             <a:pPr>
               <a:defRPr lang="ru-ru"/>
             </a:pPr>
-          </a:p>
-        </p:txBody>
-      </p:sp>
-      <p:sp>
-        <p:nvSpPr>
-          <p:cNvPr id="3" name="Подзаголовок 2"/>
-          <p:cNvSpPr>
-            <a:spLocks noGrp="1" noChangeArrowheads="1"/>
-            <a:extLst>
-              <a:ext uri="smNativeData">
-                <pr:smNativeData xmlns:pr="smNativeData" xmlns="smNativeData" val="SMDATA_16_xzE7ZxMAAAAlAAAAZAAAAA0AAAAAkAAAAEgAAACQAAAASAAAAAAAAAAAAAAAAAAAAAEAAABQAAAAAAAAAAAA4D8AAAAAAADgPwAAAAAAAOA/AAAAAAAA4D8AAAAAAADgPwAAAAAAAOA/AAAAAAAA4D8AAAAAAADgPwAAAAAAAOA/AAAAAAAA4D8CAAAAjAAAAAAAAAAAAAAARHLEDP///wgAAAAAAAAAAAAAAAAAAAAAAAAAAAAAAAAAAAAAZAAAAAEAAABAAAAAAAAAAAAAAAAAAAAAAAAAAAAAAAAAAAAAAAAAAAAAAAAAAAAAAAAAAAAAAAAAAAAAAAAAAAAAAAAAAAAAAAAAAAAAAAAAAAAAAAAAAAAAAAAAAAAAFAAAADwAAAAAAAAAAAAAAAAAAAkUAAAAAQAAABQAAAAUAAAAFAAAAAEAAAAAAAAAZAAAAGQAAAAAAAAAZAAAAGQAAAAVAAAAYAAAAAAAAAAAAAAADwAAACADAAAAAAAAAAAAAAEAAACgMgAAVgcAAKr4//8BAAAAf39/AAEAAABkAAAAAAAAABQAAABAHwAAAAAAACYAAAAAAAAAwOD//wAAAAAmAAAAZAAAABYAAABMAAAAAAAAAAAAAAAEAAAAAAAAAAEAAADn5uYKAAAAACgAAAAoAAAAZAAAAGQAAAAAAAAAzMzMAAAAAABQAAAAUAAAAGQAAABkAAAAAAAAABcAAAAUAAAAAAAAAAAAAAD/fwAA/38AAAAAAAAJAAAABAAAAAAAAAAeAAAAaAAAAAAAAAAAAAAAAAAAAAAAAAAAAAAAECcAABAnAAAAAAAAAAAAAAAAAAAAAAAAAAAAAAAAAAAAAAAAAAAAABQAAAAAAAAAwMD/AAAAAABkAAAAMgAAAAAAAABkAAAAAAAAAH9/fwAKAAAAIgAAABgAAAAAAAAAAAAAAAAAAAAAAAAAAAAAAAAAAAAkAAAAJAAAAAAAAAAHAAAAAAAAAAAAAAAAAAAAAAAAAAAAAAAAAAAAf39/ACUAAABYAAAAAAAAAAAAAAAAAAAAAAAAAAAAAAAAAAAAAAAAAAAAAAAAAAAAAAAAAAAAAAA/AAAAAAAAAKCGAQAAAAAAAAAAAAAAAAAMAAAAAQAAAAAAAAAAAAAAAAAAAB8AAABUAAAARHLEBf///wEAAAAAAAAAAAAAAAAAAAAAAAAAAAAAAAAAAAAAAAAAAAAAAAJ/f38A5+bmA8zMzADAwP8Af39/AAAAAAAAAAAAAAAAAAAAAAAAAAAAIQAAABgAAAAUAAAAYAkAACkWAACgQQAAWCAAABAAAAAmAAAACAAAAAAAAAAAAAAAMAAAABQAAAAAAAAAAAD//wAAAQAAAP//AAABAA=="/>
-              </a:ext>
-            </a:extLst>
-          </p:cNvSpPr>
-          <p:nvPr>
-            <p:ph type="subTitle" idx="1"/>
+            <a:r>
+              <a:rPr lang="en-US" dirty="0"/>
+              <a:t>standard chronology</a:t>
+            </a:r>
+            <a:endParaRPr dirty="0"/>
+          </a:p>
+        </p:txBody>
+      </p:sp>
+      <p:sp>
+        <p:nvSpPr>
+          <p:cNvPr id="3" name="Объект 2"/>
+          <p:cNvSpPr>
+            <a:spLocks noGrp="1" noChangeArrowheads="1"/>
+            <a:extLst>
+              <a:ext uri="smNativeData">
+                <pr:smNativeData xmlns:mc="http://schemas.openxmlformats.org/markup-compatibility/2006" xmlns:p14="http://schemas.microsoft.com/office/powerpoint/2010/main" xmlns:p15="http://schemas.microsoft.com/office/powerpoint/2012/main" xmlns:pr="smNativeData" xmlns="smNativeData" val="SMDATA_16_xzE7ZxMAAAAlAAAAZAAAAA0AAAAAkAAAAEgAAACQAAAASAAAAAAAAAAAAAAAAAAAAAEAAABQAAAAAAAAAAAA4D8AAAAAAADgPwAAAAAAAOA/AAAAAAAA4D8AAAAAAADgPwAAAAAAAOA/AAAAAAAA4D8AAAAAAADgPwAAAAAAAOA/AAAAAAAA4D8CAAAAjAAAAAAAAAAAAAAARHLEDP///wgAAAAAAAAAAAAAAAAAAAAAAAAAAAAAAAAAAAAAZAAAAAEAAABAAAAAAAAAAAAAAAAAAAAAAAAAAAAAAAAAAAAAAAAAAAAAAAAAAAAAAAAAAAAAAAAAAAAAAAAAAAAAAAAAAAAAAAAAAAAAAAAAAAAAAAAAAAAAAAAAAAAAFAAAADwAAAAAAAAAAAAAAAAAAAkUAAAAAQAAABQAAAAUAAAAFAAAAAEAAAAAAAAAZAAAAGQAAAAAAAAAZAAAAGQAAAAVAAAAYAAAAAAAAAAAAAAADwAAACADAAAAAAAAAAAAAAEAAACgMgAAVgcAAKr4//8BAAAAf39/AAEAAABkAAAAAAAAABQAAABAHwAAAAAAACYAAAAAAAAAwOD//wAAAAAmAAAAZAAAABYAAABMAAAAAAAAAAAAAAAEAAAAAAAAAAEAAADn5uYKAAAAACgAAAAoAAAAZAAAAGQAAAAAAAAAzMzMAAAAAABQAAAAUAAAAGQAAABkAAAAAAAAABcAAAAUAAAAAAAAAAAAAAD/fwAA/38AAAAAAAAJAAAABAAAAMoAwx4eAAAAaAAAAAAAAAAAAAAAAAAAAAAAAAAAAAAAECcAABAnAAAAAAAAAAAAAAAAAAAAAAAAAAAAAAAAAAAAAAAAAAAAABQAAAAAAAAAwMD/AAAAAABkAAAAMgAAAAAAAABkAAAAAAAAAH9/fwAKAAAAIgAAABgAAAAAAAAAAAAAAAAAAAAAAAAAAAAAAAAAAAAkAAAAJAAAAAAAAAAHAAAAAAAAAAAAAAAAAAAAAAAAAAAAAAAAAAAAf39/ACUAAABYAAAAAAAAAAAAAAAAAAAAAAAAAAAAAAAAAAAAAAAAAAAAAAAAAAAAAAAAAAAAAAA/AAAAAAAAAKCGAQAAAAAAAAAAAAAAAAAMAAAAAQAAAAAAAAAAAAAAAAAAAB8AAABUAAAARHLEBf///wEAAAAAAAAAAAAAAAAAAAAAAAAAAAAAAAAAAAAAAAAAAAAAAAJ/f38A5+bmA8zMzADAwP8Af39/AAAAAAAAAAAAAAAAAAAAAAAAAAAAIQAAABgAAAAUAAAAKAUAADsLAADYRQAAACYAABAAAAAmAAAACAAAAAAAAAAAAAAAMAAAABQAAAAAAAAAAAD//wAAAQAAAP//AAABAA=="/>
+              </a:ext>
+            </a:extLst>
+          </p:cNvSpPr>
+          <p:nvPr>
+            <p:ph type="body" idx="1"/>
           </p:nvPr>
         </p:nvSpPr>
         <p:spPr/>
@@ -6305,125 +5865,7 @@
             <a:pPr>
               <a:defRPr lang="ru-ru"/>
             </a:pPr>
-          </a:p>
-        </p:txBody>
-      </p:sp>
-    </p:spTree>
-  </p:cSld>
-  <p:clrMapOvr>
-    <a:masterClrMapping/>
-  </p:clrMapOvr>
-  <p:timing>
-    <p:tnLst>
-      <p:par>
-        <p:cTn id="1" dur="indefinite" restart="never" nodeType="tmRoot"/>
-      </p:par>
-    </p:tnLst>
-  </p:timing>
-</p:sld>
-</file>
-
-<file path=ppt/slides/slide4.xml><?xml version="1.0" encoding="utf-8"?>
-<p:sld xmlns:p="http://schemas.openxmlformats.org/presentationml/2006/main" xmlns:mc="http://schemas.openxmlformats.org/markup-compatibility/2006" xmlns:p14="http://schemas.microsoft.com/office/powerpoint/2010/main" xmlns:p15="http://schemas.microsoft.com/office/powerpoint/2012/main" xmlns:r="http://schemas.openxmlformats.org/officeDocument/2006/relationships" xmlns:a="http://schemas.openxmlformats.org/drawingml/2006/main" mc:Ignorable="p14">
-  <p:cSld>
-    <p:spTree>
-      <p:nvGrpSpPr>
-        <p:cNvPr id="1" name=""/>
-        <p:cNvGrpSpPr/>
-        <p:nvPr/>
-      </p:nvGrpSpPr>
-      <p:grpSpPr>
-        <a:xfrm>
-          <a:off x="0" y="0"/>
-          <a:ext cx="0" cy="0"/>
-          <a:chOff x="0" y="0"/>
-          <a:chExt cx="0" cy="0"/>
-        </a:xfrm>
-      </p:grpSpPr>
-    </p:spTree>
-  </p:cSld>
-  <p:clrMapOvr>
-    <a:masterClrMapping/>
-  </p:clrMapOvr>
-  <p:timing>
-    <p:tnLst>
-      <p:par>
-        <p:cTn id="1" dur="indefinite" restart="never" nodeType="tmRoot"/>
-      </p:par>
-    </p:tnLst>
-  </p:timing>
-</p:sld>
-</file>
-
-<file path=ppt/slides/slide5.xml><?xml version="1.0" encoding="utf-8"?>
-<p:sld xmlns:p="http://schemas.openxmlformats.org/presentationml/2006/main" xmlns:mc="http://schemas.openxmlformats.org/markup-compatibility/2006" xmlns:p14="http://schemas.microsoft.com/office/powerpoint/2010/main" xmlns:p15="http://schemas.microsoft.com/office/powerpoint/2012/main" xmlns:r="http://schemas.openxmlformats.org/officeDocument/2006/relationships" xmlns:a="http://schemas.openxmlformats.org/drawingml/2006/main" mc:Ignorable="p14">
-  <p:cSld>
-    <p:spTree>
-      <p:nvGrpSpPr>
-        <p:cNvPr id="1" name=""/>
-        <p:cNvGrpSpPr/>
-        <p:nvPr/>
-      </p:nvGrpSpPr>
-      <p:grpSpPr>
-        <a:xfrm>
-          <a:off x="0" y="0"/>
-          <a:ext cx="0" cy="0"/>
-          <a:chOff x="0" y="0"/>
-          <a:chExt cx="0" cy="0"/>
-        </a:xfrm>
-      </p:grpSpPr>
-      <p:sp>
-        <p:nvSpPr>
-          <p:cNvPr id="2" name="Заголовок 1"/>
-          <p:cNvSpPr>
-            <a:spLocks noGrp="1" noChangeArrowheads="1"/>
-            <a:extLst>
-              <a:ext uri="smNativeData">
-                <pr:smNativeData xmlns:pr="smNativeData" xmlns="smNativeData" val="SMDATA_16_xzE7ZxMAAAAlAAAAZAAAAA0AAAAAkAAAAEgAAACQAAAASAAAAAAAAAABAAAAAAAAAAEAAABQAAAAAAAAAAAA4D8AAAAAAADgPwAAAAAAAOA/AAAAAAAA4D8AAAAAAADgPwAAAAAAAOA/AAAAAAAA4D8AAAAAAADgPwAAAAAAAOA/AAAAAAAA4D8CAAAAjAAAAAAAAAAAAAAARHLEDP///wgAAAAAAAAAAAAAAAAAAAAAAAAAAAAAAAAAAAAAZAAAAAEAAABAAAAAAAAAAAAAAAAAAAAAAAAAAAAAAAAAAAAAAAAAAAAAAAAAAAAAAAAAAAAAAAAAAAAAAAAAAAAAAAAAAAAAAAAAAAAAAAAAAAAAAAAAAAAAAAAAAAAAFAAAADwAAAAAAAAAAAAAAAAAAAkUAAAAAQAAABQAAAAUAAAAFAAAAAEAAAAAAAAAZAAAAGQAAAAAAAAAZAAAAGQAAAAVAAAAYAAAAAAAAAAAAAAADwAAACADAAAAAAAAAAAAAAEAAACgMgAAVgcAAKr4//8BAAAAf39/AAEAAABkAAAAAAAAABQAAABAHwAAAAAAACYAAAAAAAAAwOD//wAAAAAmAAAAZAAAABYAAABMAAAAAAAAAAAAAAAEAAAAAAAAAAEAAADn5uYKAAAAACgAAAAoAAAAZAAAAGQAAAAAAAAAzMzMAAAAAABQAAAAUAAAAGQAAABkAAAAAAAAABcAAAAUAAAAAAAAAAAAAAD/fwAA/38AAAAAAAAJAAAABAAAAAAAAAAeAAAAaAAAAAAAAAAAAAAAAAAAAAAAAAAAAAAAECcAABAnAAAAAAAAAAAAAAAAAAAAAAAAAAAAAAAAAAAAAAAAAAAAABQAAAAAAAAAwMD/AAAAAABkAAAAMgAAAAAAAABkAAAAAAAAAH9/fwAKAAAAIgAAABgAAAAAAAAAAAAAAAAAAAAAAAAAAAAAAAAAAAAkAAAAJAAAAAAAAAAHAAAAAAAAAAAAAAAAAAAAAAAAAAAAAAAAAAAAf39/ACUAAABYAAAAAAAAAAAAAAAAAAAAAAAAAAAAAAAAAAAAAAAAAAAAAAAAAAAAAAAAAAAAAAA/AAAAAAAAAKCGAQAAAAAAAAAAAAAAAAAMAAAAAQAAAAAAAAAAAAAAAAAAAB8AAABUAAAARHLEBf///wEAAAAAAAAAAAAAAAAAAAAAAAAAAAAAAAAAAAAAAAAAAAAAAAJ/f38A5+bmA8zMzADAwP8Af39/AAAAAAAAAAAAAAAAAAAAAAAAAAAAIQAAABgAAAAUAAAAKAUAAD8CAADYRQAAZwoAABAAAAAmAAAACAAAAAAAAAAAAAAAMAAAABQAAAAAAAAAAAD//wAAAQAAAP//AAABAA=="/>
-              </a:ext>
-            </a:extLst>
-          </p:cNvSpPr>
-          <p:nvPr>
-            <p:ph type="title"/>
-          </p:nvPr>
-        </p:nvSpPr>
-        <p:spPr/>
-        <p:txBody>
-          <a:bodyPr/>
-          <a:lstStyle/>
-          <a:p>
-            <a:pPr>
-              <a:defRPr lang="ru-ru"/>
-            </a:pPr>
-            <a:r>
-              <a:t>st</a:t>
-            </a:r>
-          </a:p>
-        </p:txBody>
-      </p:sp>
-      <p:sp>
-        <p:nvSpPr>
-          <p:cNvPr id="3" name="Объект 2"/>
-          <p:cNvSpPr>
-            <a:spLocks noGrp="1" noChangeArrowheads="1"/>
-            <a:extLst>
-              <a:ext uri="smNativeData">
-                <pr:smNativeData xmlns:pr="smNativeData" xmlns="smNativeData" val="SMDATA_16_xzE7ZxMAAAAlAAAAZAAAAA0AAAAAkAAAAEgAAACQAAAASAAAAAAAAAAAAAAAAAAAAAEAAABQAAAAAAAAAAAA4D8AAAAAAADgPwAAAAAAAOA/AAAAAAAA4D8AAAAAAADgPwAAAAAAAOA/AAAAAAAA4D8AAAAAAADgPwAAAAAAAOA/AAAAAAAA4D8CAAAAjAAAAAAAAAAAAAAARHLEDP///wgAAAAAAAAAAAAAAAAAAAAAAAAAAAAAAAAAAAAAZAAAAAEAAABAAAAAAAAAAAAAAAAAAAAAAAAAAAAAAAAAAAAAAAAAAAAAAAAAAAAAAAAAAAAAAAAAAAAAAAAAAAAAAAAAAAAAAAAAAAAAAAAAAAAAAAAAAAAAAAAAAAAAFAAAADwAAAAAAAAAAAAAAAAAAAkUAAAAAQAAABQAAAAUAAAAFAAAAAEAAAAAAAAAZAAAAGQAAAAAAAAAZAAAAGQAAAAVAAAAYAAAAAAAAAAAAAAADwAAACADAAAAAAAAAAAAAAEAAACgMgAAVgcAAKr4//8BAAAAf39/AAEAAABkAAAAAAAAABQAAABAHwAAAAAAACYAAAAAAAAAwOD//wAAAAAmAAAAZAAAABYAAABMAAAAAAAAAAAAAAAEAAAAAAAAAAEAAADn5uYKAAAAACgAAAAoAAAAZAAAAGQAAAAAAAAAzMzMAAAAAABQAAAAUAAAAGQAAABkAAAAAAAAABcAAAAUAAAAAAAAAAAAAAD/fwAA/38AAAAAAAAJAAAABAAAAMoAwx4eAAAAaAAAAAAAAAAAAAAAAAAAAAAAAAAAAAAAECcAABAnAAAAAAAAAAAAAAAAAAAAAAAAAAAAAAAAAAAAAAAAAAAAABQAAAAAAAAAwMD/AAAAAABkAAAAMgAAAAAAAABkAAAAAAAAAH9/fwAKAAAAIgAAABgAAAAAAAAAAAAAAAAAAAAAAAAAAAAAAAAAAAAkAAAAJAAAAAAAAAAHAAAAAAAAAAAAAAAAAAAAAAAAAAAAAAAAAAAAf39/ACUAAABYAAAAAAAAAAAAAAAAAAAAAAAAAAAAAAAAAAAAAAAAAAAAAAAAAAAAAAAAAAAAAAA/AAAAAAAAAKCGAQAAAAAAAAAAAAAAAAAMAAAAAQAAAAAAAAAAAAAAAAAAAB8AAABUAAAARHLEBf///wEAAAAAAAAAAAAAAAAAAAAAAAAAAAAAAAAAAAAAAAAAAAAAAAJ/f38A5+bmA8zMzADAwP8Af39/AAAAAAAAAAAAAAAAAAAAAAAAAAAAIQAAABgAAAAUAAAAKAUAADsLAADYRQAAACYAABAAAAAmAAAACAAAAAAAAAAAAAAAMAAAABQAAAAAAAAAAAD//wAAAQAAAP//AAABAA=="/>
-              </a:ext>
-            </a:extLst>
-          </p:cNvSpPr>
-          <p:nvPr>
-            <p:ph type="body" idx="1"/>
-          </p:nvPr>
-        </p:nvSpPr>
-        <p:spPr/>
-        <p:txBody>
-          <a:bodyPr/>
-          <a:lstStyle/>
-          <a:p>
-            <a:pPr>
-              <a:defRPr lang="ru-ru"/>
-            </a:pPr>
+            <a:endParaRPr/>
           </a:p>
         </p:txBody>
       </p:sp>
@@ -6434,7 +5876,7 @@
             <a:picLocks noChangeAspect="1"/>
             <a:extLst>
               <a:ext uri="smNativeData">
-                <pr:smNativeData xmlns:pr="smNativeData" xmlns="smNativeData" val="SMDATA_18_xzE7ZxMAAAAlAAAAEQAAAC0AAAAAkAAAAEgAAACQAAAASAAAAAAAAAAAAAAAAAAAAAEAAABQAAAAAAAAAAAA4D8AAAAAAADgPwAAAAAAAOA/AAAAAAAA4D8AAAAAAADgPwAAAAAAAOA/AAAAAAAA4D8AAAAAAADgPwAAAAAAAOA/AAAAAAAA4D8CAAAAjAAAAAAAAAAAAAAARHLEDP///wgAAAAAAAAAAAAAAAAAAAAAAAAAAAAAAAAAAAAAZAAAAAEAAABAAAAAAAAAAAAAAAAAAAAAAAAAAAAAAAAAAAAAAAAAAAAAAAAAAAAAAAAAAAAAAAAAAAAAAAAAAAAAAAAAAAAAAAAAAAAAAAAAAAAAAAAAAAAAAAAAAAAAFAAAADwAAAAAAAAAAAAAAAAAAAkUAAAAAQAAABQAAAAUAAAAFAAAAAEAAAAAAAAAZAAAAGQAAAAAAAAAZAAAAGQAAAAVAAAAYAAAAAAAAAAAAAAADwAAACADAAAAAAAAAAAAAAEAAACgMgAAVgcAAKr4//8BAAAAf39/AAEAAABkAAAAAAAAABQAAABAHwAAAAAAACYAAAAAAAAAwOD//wAAAAAmAAAAZAAAABYAAABMAAAAAAAAAAAAAAAEAAAAAAAAAAEAAADn5uYKAAAAACgAAAAoAAAAZAAAAGQAAAAAAAAAzMzMAAAAAABQAAAAUAAAAGQAAABkAAAAAAAAAAcAAAA4AAAAAAAAAAAAAAAAAAAA////AAAAAAAAAAAAAAAAAAAAAAAAAAAAAAAAAAAAAABkAAAAZAAAAAAAAAAjAAAABAAAAGQAAAAXAAAAFAAAAAAAAAAAAAAA/38AAP9/AAAAAAAACQAAAAQAAAD/////HgAAAGgAAAAAAAAAAAAAAAAAAAAAAAAAAAAAABAnAAAQJwAAAAAAAAAAAAAAAAAAAAAAAAAAAAAAAAAAAAAAAAAAAAAUAAAAAAAAAMDA/wAAAAAAZAAAADIAAAAAAAAAZAAAAAAAAAB/f38ACgAAACIAAAAYAAAAAAAAAAAAAAAAAAAAAAAAAAAAAAAAAAAAJAAAACQAAAAAAAAABwAAAAAAAAAAAAAAAAAAAAAAAAAAAAAAAAAAAH9/fwAlAAAAWAAAAAAAAAAAAAAAAAAAAAAAAAAAAAAAAAAAAAAAAAAAAAAAAAAAAAAAAAAAAAAAPwAAAAAAAACghgEAAAAAAAAAAAAAAAAADAAAAAEAAAAAAAAAAAAAAAAAAAAfAAAAVAAAAERyxAX///8BAAAAAAAAAAAAAAAAAAAAAAAAAAAAAAAAAAAAAAAAAAAAAAACf39/AOfm5gPMzMwAwMD/AH9/fwAAAAAAAAAAAAAAAAD///8AAAAAACEAAAAYAAAAFAAAAEEEAADAEQAAgCUAAPEnAAAQAAAAJgAAAAgAAAD//////////zAAAAAUAAAAAAAAAAAA//8AAAEAAAD//wAAAQA="/>
+                <pr:smNativeData xmlns:mc="http://schemas.openxmlformats.org/markup-compatibility/2006" xmlns:p14="http://schemas.microsoft.com/office/powerpoint/2010/main" xmlns:p15="http://schemas.microsoft.com/office/powerpoint/2012/main" xmlns:pr="smNativeData" xmlns="smNativeData" val="SMDATA_18_xzE7ZxMAAAAlAAAAEQAAAC0AAAAAkAAAAEgAAACQAAAASAAAAAAAAAAAAAAAAAAAAAEAAABQAAAAAAAAAAAA4D8AAAAAAADgPwAAAAAAAOA/AAAAAAAA4D8AAAAAAADgPwAAAAAAAOA/AAAAAAAA4D8AAAAAAADgPwAAAAAAAOA/AAAAAAAA4D8CAAAAjAAAAAAAAAAAAAAARHLEDP///wgAAAAAAAAAAAAAAAAAAAAAAAAAAAAAAAAAAAAAZAAAAAEAAABAAAAAAAAAAAAAAAAAAAAAAAAAAAAAAAAAAAAAAAAAAAAAAAAAAAAAAAAAAAAAAAAAAAAAAAAAAAAAAAAAAAAAAAAAAAAAAAAAAAAAAAAAAAAAAAAAAAAAFAAAADwAAAAAAAAAAAAAAAAAAAkUAAAAAQAAABQAAAAUAAAAFAAAAAEAAAAAAAAAZAAAAGQAAAAAAAAAZAAAAGQAAAAVAAAAYAAAAAAAAAAAAAAADwAAACADAAAAAAAAAAAAAAEAAACgMgAAVgcAAKr4//8BAAAAf39/AAEAAABkAAAAAAAAABQAAABAHwAAAAAAACYAAAAAAAAAwOD//wAAAAAmAAAAZAAAABYAAABMAAAAAAAAAAAAAAAEAAAAAAAAAAEAAADn5uYKAAAAACgAAAAoAAAAZAAAAGQAAAAAAAAAzMzMAAAAAABQAAAAUAAAAGQAAABkAAAAAAAAAAcAAAA4AAAAAAAAAAAAAAAAAAAA////AAAAAAAAAAAAAAAAAAAAAAAAAAAAAAAAAAAAAABkAAAAZAAAAAAAAAAjAAAABAAAAGQAAAAXAAAAFAAAAAAAAAAAAAAA/38AAP9/AAAAAAAACQAAAAQAAAD/////HgAAAGgAAAAAAAAAAAAAAAAAAAAAAAAAAAAAABAnAAAQJwAAAAAAAAAAAAAAAAAAAAAAAAAAAAAAAAAAAAAAAAAAAAAUAAAAAAAAAMDA/wAAAAAAZAAAADIAAAAAAAAAZAAAAAAAAAB/f38ACgAAACIAAAAYAAAAAAAAAAAAAAAAAAAAAAAAAAAAAAAAAAAAJAAAACQAAAAAAAAABwAAAAAAAAAAAAAAAAAAAAAAAAAAAAAAAAAAAH9/fwAlAAAAWAAAAAAAAAAAAAAAAAAAAAAAAAAAAAAAAAAAAAAAAAAAAAAAAAAAAAAAAAAAAAAAPwAAAAAAAACghgEAAAAAAAAAAAAAAAAADAAAAAEAAAAAAAAAAAAAAAAAAAAfAAAAVAAAAERyxAX///8BAAAAAAAAAAAAAAAAAAAAAAAAAAAAAAAAAAAAAAAAAAAAAAACf39/AOfm5gPMzMwAwMD/AH9/fwAAAAAAAAAAAAAAAAD///8AAAAAACEAAAAYAAAAFAAAAEEEAADAEQAAgCUAAPEnAAAQAAAAJgAAAAgAAAD//////////zAAAAAUAAAAAAAAAAAA//8AAAEAAAD//wAAAQA="/>
               </a:ext>
             </a:extLst>
           </p:cNvPicPr>
@@ -6468,7 +5910,7 @@
             <a:picLocks noChangeAspect="1"/>
             <a:extLst>
               <a:ext uri="smNativeData">
-                <pr:smNativeData xmlns:pr="smNativeData" xmlns="smNativeData" val="SMDATA_18_xzE7ZxMAAAAlAAAAEQAAAC0AAAAAkAAAAEgAAACQAAAASAAAAAAAAAAAAAAAAAAAAAEAAABQAAAAAAAAAAAA4D8AAAAAAADgPwAAAAAAAOA/AAAAAAAA4D8AAAAAAADgPwAAAAAAAOA/AAAAAAAA4D8AAAAAAADgPwAAAAAAAOA/AAAAAAAA4D8CAAAAjAAAAAAAAAAAAAAARHLEDP///wgAAAAAAAAAAAAAAAAAAAAAAAAAAAAAAAAAAAAAZAAAAAEAAABAAAAAAAAAAAAAAAAAAAAAAAAAAAAAAAAAAAAAAAAAAAAAAAAAAAAAAAAAAAAAAAAAAAAAAAAAAAAAAAAAAAAAAAAAAAAAAAAAAAAAAAAAAAAAAAAAAAAAFAAAADwAAAAAAAAAAAAAAAAAAAkUAAAAAQAAABQAAAAUAAAAFAAAAAEAAAAAAAAAZAAAAGQAAAAAAAAAZAAAAGQAAAAVAAAAYAAAAAAAAAAAAAAADwAAACADAAAAAAAAAAAAAAEAAACgMgAAVgcAAKr4//8BAAAAf39/AAEAAABkAAAAAAAAABQAAABAHwAAAAAAACYAAAAAAAAAwOD//wAAAAAmAAAAZAAAABYAAABMAAAAAAAAAAAAAAAEAAAAAAAAAAEAAADn5uYKAAAAACgAAAAoAAAAZAAAAGQAAAAAAAAAzMzMAAAAAABQAAAAUAAAAGQAAABkAAAAAAAAAAcAAAA4AAAAAAAAAAAAAAAAAAAA////AAAAAAAAAAAAAAAAAAAAAAAAAAAAAAAAAAAAAABkAAAAZAAAAAAAAAAjAAAABAAAAGQAAAAXAAAAFAAAAAAAAAAAAAAA/38AAP9/AAAAAAAACQAAAAQAAAD/////HgAAAGgAAAAAAAAAAAAAAAAAAAAAAAAAAAAAABAnAAAQJwAAAAAAAAAAAAAAAAAAAAAAAAAAAAAAAAAAAAAAAAAAAAAUAAAAAAAAAMDA/wAAAAAAZAAAADIAAAAAAAAAZAAAAAAAAAB/f38ACgAAACIAAAAYAAAAAAAAAAAAAAAAAAAAAAAAAAAAAAAAAAAAJAAAACQAAAAAAAAABwAAAAAAAAAAAAAAAAAAAAAAAAAAAAAAAAAAAH9/fwAlAAAAWAAAAAAAAAAAAAAAAAAAAAAAAAAAAAAAAAAAAAAAAAAAAAAAAAAAAAAAAAAAAAAAPwAAAAAAAACghgEAAAAAAAAAAAAAAAAADAAAAAEAAAAAAAAAAAAAAAAAAAAfAAAAVAAAAERyxAX///8BAAAAAAAAAAAAAAAAAAAAAAAAAAAAAAAAAAAAAAAAAAAAAAACf39/AOfm5gPMzMwAwMD/AH9/fwAAAAAAAAAAAAAAAAD///8AAAAAACEAAAAYAAAAFAAAAAImAADsEAAAJUgAAPEnAAAQAAAAJgAAAAgAAAD//////////zAAAAAUAAAAAAAAAAAA//8AAAEAAAD//wAAAQA="/>
+                <pr:smNativeData xmlns:mc="http://schemas.openxmlformats.org/markup-compatibility/2006" xmlns:p14="http://schemas.microsoft.com/office/powerpoint/2010/main" xmlns:p15="http://schemas.microsoft.com/office/powerpoint/2012/main" xmlns:pr="smNativeData" xmlns="smNativeData" val="SMDATA_18_xzE7ZxMAAAAlAAAAEQAAAC0AAAAAkAAAAEgAAACQAAAASAAAAAAAAAAAAAAAAAAAAAEAAABQAAAAAAAAAAAA4D8AAAAAAADgPwAAAAAAAOA/AAAAAAAA4D8AAAAAAADgPwAAAAAAAOA/AAAAAAAA4D8AAAAAAADgPwAAAAAAAOA/AAAAAAAA4D8CAAAAjAAAAAAAAAAAAAAARHLEDP///wgAAAAAAAAAAAAAAAAAAAAAAAAAAAAAAAAAAAAAZAAAAAEAAABAAAAAAAAAAAAAAAAAAAAAAAAAAAAAAAAAAAAAAAAAAAAAAAAAAAAAAAAAAAAAAAAAAAAAAAAAAAAAAAAAAAAAAAAAAAAAAAAAAAAAAAAAAAAAAAAAAAAAFAAAADwAAAAAAAAAAAAAAAAAAAkUAAAAAQAAABQAAAAUAAAAFAAAAAEAAAAAAAAAZAAAAGQAAAAAAAAAZAAAAGQAAAAVAAAAYAAAAAAAAAAAAAAADwAAACADAAAAAAAAAAAAAAEAAACgMgAAVgcAAKr4//8BAAAAf39/AAEAAABkAAAAAAAAABQAAABAHwAAAAAAACYAAAAAAAAAwOD//wAAAAAmAAAAZAAAABYAAABMAAAAAAAAAAAAAAAEAAAAAAAAAAEAAADn5uYKAAAAACgAAAAoAAAAZAAAAGQAAAAAAAAAzMzMAAAAAABQAAAAUAAAAGQAAABkAAAAAAAAAAcAAAA4AAAAAAAAAAAAAAAAAAAA////AAAAAAAAAAAAAAAAAAAAAAAAAAAAAAAAAAAAAABkAAAAZAAAAAAAAAAjAAAABAAAAGQAAAAXAAAAFAAAAAAAAAAAAAAA/38AAP9/AAAAAAAACQAAAAQAAAD/////HgAAAGgAAAAAAAAAAAAAAAAAAAAAAAAAAAAAABAnAAAQJwAAAAAAAAAAAAAAAAAAAAAAAAAAAAAAAAAAAAAAAAAAAAAUAAAAAAAAAMDA/wAAAAAAZAAAADIAAAAAAAAAZAAAAAAAAAB/f38ACgAAACIAAAAYAAAAAAAAAAAAAAAAAAAAAAAAAAAAAAAAAAAAJAAAACQAAAAAAAAABwAAAAAAAAAAAAAAAAAAAAAAAAAAAAAAAAAAAH9/fwAlAAAAWAAAAAAAAAAAAAAAAAAAAAAAAAAAAAAAAAAAAAAAAAAAAAAAAAAAAAAAAAAAAAAAPwAAAAAAAACghgEAAAAAAAAAAAAAAAAADAAAAAEAAAAAAAAAAAAAAAAAAAAfAAAAVAAAAERyxAX///8BAAAAAAAAAAAAAAAAAAAAAAAAAAAAAAAAAAAAAAAAAAAAAAACf39/AOfm5gPMzMwAwMD/AH9/fwAAAAAAAAAAAAAAAAD///8AAAAAACEAAAAYAAAAFAAAAAImAADsEAAAJUgAAPEnAAAQAAAAJgAAAAgAAAD//////////zAAAAAUAAAAAAAAAAAA//8AAAEAAAD//wAAAQA="/>
               </a:ext>
             </a:extLst>
           </p:cNvPicPr>
@@ -6510,8 +5952,8 @@
 </p:sld>
 </file>
 
-<file path=ppt/slides/slide6.xml><?xml version="1.0" encoding="utf-8"?>
-<p:sld xmlns:p="http://schemas.openxmlformats.org/presentationml/2006/main" xmlns:mc="http://schemas.openxmlformats.org/markup-compatibility/2006" xmlns:p14="http://schemas.microsoft.com/office/powerpoint/2010/main" xmlns:p15="http://schemas.microsoft.com/office/powerpoint/2012/main" xmlns:r="http://schemas.openxmlformats.org/officeDocument/2006/relationships" xmlns:a="http://schemas.openxmlformats.org/drawingml/2006/main" mc:Ignorable="p14">
+<file path=ppt/slides/slide4.xml><?xml version="1.0" encoding="utf-8"?>
+<p:sld xmlns:a="http://schemas.openxmlformats.org/drawingml/2006/main" xmlns:r="http://schemas.openxmlformats.org/officeDocument/2006/relationships" xmlns:p="http://schemas.openxmlformats.org/presentationml/2006/main">
   <p:cSld>
     <p:spTree>
       <p:nvGrpSpPr>
@@ -6534,7 +5976,7 @@
             <a:spLocks noGrp="1" noChangeArrowheads="1"/>
             <a:extLst>
               <a:ext uri="smNativeData">
-                <pr:smNativeData xmlns:pr="smNativeData" xmlns="smNativeData" val="SMDATA_16_xzE7ZxMAAAAlAAAAZAAAAA0AAAAAkAAAAEgAAACQAAAASAAAAAAAAAABAAAAAAAAAAEAAABQAAAAAAAAAAAA4D8AAAAAAADgPwAAAAAAAOA/AAAAAAAA4D8AAAAAAADgPwAAAAAAAOA/AAAAAAAA4D8AAAAAAADgPwAAAAAAAOA/AAAAAAAA4D8CAAAAjAAAAAAAAAAAAAAARHLEDP///wgAAAAAAAAAAAAAAAAAAAAAAAAAAAAAAAAAAAAAZAAAAAEAAABAAAAAAAAAAAAAAAAAAAAAAAAAAAAAAAAAAAAAAAAAAAAAAAAAAAAAAAAAAAAAAAAAAAAAAAAAAAAAAAAAAAAAAAAAAAAAAAAAAAAAAAAAAAAAAAAAAAAAFAAAADwAAAAAAAAAAAAAAAAAAAkUAAAAAQAAABQAAAAUAAAAFAAAAAEAAAAAAAAAZAAAAGQAAAAAAAAAZAAAAGQAAAAVAAAAYAAAAAAAAAAAAAAADwAAACADAAAAAAAAAAAAAAEAAACgMgAAVgcAAKr4//8BAAAAf39/AAEAAABkAAAAAAAAABQAAABAHwAAAAAAACYAAAAAAAAAwOD//wAAAAAmAAAAZAAAABYAAABMAAAAAAAAAAAAAAAEAAAAAAAAAAEAAADn5uYKAAAAACgAAAAoAAAAZAAAAGQAAAAAAAAAzMzMAAAAAABQAAAAUAAAAGQAAABkAAAAAAAAABcAAAAUAAAAAAAAAAAAAAD/fwAA/38AAAAAAAAJAAAABAAAAAAAAAAeAAAAaAAAAAAAAAAAAAAAAAAAAAAAAAAAAAAAECcAABAnAAAAAAAAAAAAAAAAAAAAAAAAAAAAAAAAAAAAAAAAAAAAABQAAAAAAAAAwMD/AAAAAABkAAAAMgAAAAAAAABkAAAAAAAAAH9/fwAKAAAAIgAAABgAAAAAAAAAAAAAAAAAAAAAAAAAAAAAAAAAAAAkAAAAJAAAAAAAAAAHAAAAAAAAAAAAAAAAAAAAAAAAAAAAAAAAAAAAf39/ACUAAABYAAAAAAAAAAAAAAAAAAAAAAAAAAAAAAAAAAAAAAAAAAAAAAAAAAAAAAAAAAAAAAA/AAAAAAAAAKCGAQAAAAAAAAAAAAAAAAAMAAAAAQAAAAAAAAAAAAAAAAAAAB8AAABUAAAARHLEBf///wEAAAAAAAAAAAAAAAAAAAAAAAAAAAAAAAAAAAAAAAAAAAAAAAJ/f38A5+bmA8zMzADAwP8Af39/AAAAAAAAAAAAAAAAAAAAAAAAAAAAIQAAABgAAAAUAAAAKAUAAD8CAADYRQAAZwoAABAAAAAmAAAACAAAAAAAAAAAAAAAMAAAABQAAAAAAAAAAAD//wAAAQAAAP//AAABAA=="/>
+                <pr:smNativeData xmlns:mc="http://schemas.openxmlformats.org/markup-compatibility/2006" xmlns:p14="http://schemas.microsoft.com/office/powerpoint/2010/main" xmlns:p15="http://schemas.microsoft.com/office/powerpoint/2012/main" xmlns:pr="smNativeData" xmlns="smNativeData" val="SMDATA_16_xzE7ZxMAAAAlAAAAZAAAAA0AAAAAkAAAAEgAAACQAAAASAAAAAAAAAABAAAAAAAAAAEAAABQAAAAAAAAAAAA4D8AAAAAAADgPwAAAAAAAOA/AAAAAAAA4D8AAAAAAADgPwAAAAAAAOA/AAAAAAAA4D8AAAAAAADgPwAAAAAAAOA/AAAAAAAA4D8CAAAAjAAAAAAAAAAAAAAARHLEDP///wgAAAAAAAAAAAAAAAAAAAAAAAAAAAAAAAAAAAAAZAAAAAEAAABAAAAAAAAAAAAAAAAAAAAAAAAAAAAAAAAAAAAAAAAAAAAAAAAAAAAAAAAAAAAAAAAAAAAAAAAAAAAAAAAAAAAAAAAAAAAAAAAAAAAAAAAAAAAAAAAAAAAAFAAAADwAAAAAAAAAAAAAAAAAAAkUAAAAAQAAABQAAAAUAAAAFAAAAAEAAAAAAAAAZAAAAGQAAAAAAAAAZAAAAGQAAAAVAAAAYAAAAAAAAAAAAAAADwAAACADAAAAAAAAAAAAAAEAAACgMgAAVgcAAKr4//8BAAAAf39/AAEAAABkAAAAAAAAABQAAABAHwAAAAAAACYAAAAAAAAAwOD//wAAAAAmAAAAZAAAABYAAABMAAAAAAAAAAAAAAAEAAAAAAAAAAEAAADn5uYKAAAAACgAAAAoAAAAZAAAAGQAAAAAAAAAzMzMAAAAAABQAAAAUAAAAGQAAABkAAAAAAAAABcAAAAUAAAAAAAAAAAAAAD/fwAA/38AAAAAAAAJAAAABAAAAAAAAAAeAAAAaAAAAAAAAAAAAAAAAAAAAAAAAAAAAAAAECcAABAnAAAAAAAAAAAAAAAAAAAAAAAAAAAAAAAAAAAAAAAAAAAAABQAAAAAAAAAwMD/AAAAAABkAAAAMgAAAAAAAABkAAAAAAAAAH9/fwAKAAAAIgAAABgAAAAAAAAAAAAAAAAAAAAAAAAAAAAAAAAAAAAkAAAAJAAAAAAAAAAHAAAAAAAAAAAAAAAAAAAAAAAAAAAAAAAAAAAAf39/ACUAAABYAAAAAAAAAAAAAAAAAAAAAAAAAAAAAAAAAAAAAAAAAAAAAAAAAAAAAAAAAAAAAAA/AAAAAAAAAKCGAQAAAAAAAAAAAAAAAAAMAAAAAQAAAAAAAAAAAAAAAAAAAB8AAABUAAAARHLEBf///wEAAAAAAAAAAAAAAAAAAAAAAAAAAAAAAAAAAAAAAAAAAAAAAAJ/f38A5+bmA8zMzADAwP8Af39/AAAAAAAAAAAAAAAAAAAAAAAAAAAAIQAAABgAAAAUAAAAKAUAAD8CAADYRQAAZwoAABAAAAAmAAAACAAAAAAAAAAAAAAAMAAAABQAAAAAAAAAAAD//wAAAQAAAP//AAABAA=="/>
               </a:ext>
             </a:extLst>
           </p:cNvSpPr>
@@ -6550,6 +5992,7 @@
             <a:pPr>
               <a:defRPr lang="ru-ru"/>
             </a:pPr>
+            <a:endParaRPr/>
           </a:p>
         </p:txBody>
       </p:sp>
@@ -6560,7 +6003,7 @@
             <a:spLocks noGrp="1" noChangeArrowheads="1"/>
             <a:extLst>
               <a:ext uri="smNativeData">
-                <pr:smNativeData xmlns:pr="smNativeData" xmlns="smNativeData" val="SMDATA_16_xzE7ZxMAAAAlAAAAZAAAAA0AAAAAkAAAAEgAAACQAAAASAAAAAAAAAAAAAAAAAAAAAEAAABQAAAAAAAAAAAA4D8AAAAAAADgPwAAAAAAAOA/AAAAAAAA4D8AAAAAAADgPwAAAAAAAOA/AAAAAAAA4D8AAAAAAADgPwAAAAAAAOA/AAAAAAAA4D8CAAAAjAAAAAAAAAAAAAAARHLEDP///wgAAAAAAAAAAAAAAAAAAAAAAAAAAAAAAAAAAAAAZAAAAAEAAABAAAAAAAAAAAAAAAAAAAAAAAAAAAAAAAAAAAAAAAAAAAAAAAAAAAAAAAAAAAAAAAAAAAAAAAAAAAAAAAAAAAAAAAAAAAAAAAAAAAAAAAAAAAAAAAAAAAAAFAAAADwAAAAAAAAAAAAAAAAAAAkUAAAAAQAAABQAAAAUAAAAFAAAAAEAAAAAAAAAZAAAAGQAAAAAAAAAZAAAAGQAAAAVAAAAYAAAAAAAAAAAAAAADwAAACADAAAAAAAAAAAAAAEAAACgMgAAVgcAAKr4//8BAAAAf39/AAEAAABkAAAAAAAAABQAAABAHwAAAAAAACYAAAAAAAAAwOD//wAAAAAmAAAAZAAAABYAAABMAAAAAAAAAAAAAAAEAAAAAAAAAAEAAADn5uYKAAAAACgAAAAoAAAAZAAAAGQAAAAAAAAAzMzMAAAAAABQAAAAUAAAAGQAAABkAAAAAAAAABcAAAAUAAAAAAAAAAAAAAD/fwAA/38AAAAAAAAJAAAABAAAAAAAAAAeAAAAaAAAAAAAAAAAAAAAAAAAAAAAAAAAAAAAECcAABAnAAAAAAAAAAAAAAAAAAAAAAAAAAAAAAAAAAAAAAAAAAAAABQAAAAAAAAAwMD/AAAAAABkAAAAMgAAAAAAAABkAAAAAAAAAH9/fwAKAAAAIgAAABgAAAAAAAAAAAAAAAAAAAAAAAAAAAAAAAAAAAAkAAAAJAAAAAAAAAAHAAAAAAAAAAAAAAAAAAAAAAAAAAAAAAAAAAAAf39/ACUAAABYAAAAAAAAAAAAAAAAAAAAAAAAAAAAAAAAAAAAAAAAAAAAAAAAAAAAAAAAAAAAAAA/AAAAAAAAAKCGAQAAAAAAAAAAAAAAAAAMAAAAAQAAAAAAAAAAAAAAAAAAAB8AAABUAAAARHLEBf///wEAAAAAAAAAAAAAAAAAAAAAAAAAAAAAAAAAAAAAAAAAAAAAAAJ/f38A5+bmA8zMzADAwP8Af39/AAAAAAAAAAAAAAAAAAAAAAAAAAAAIQAAABgAAAAUAAAAKAUAADsLAADYRQAAACYAABAAAAAmAAAACAAAAAAAAAAAAAAAMAAAABQAAAAAAAAAAAD//wAAAQAAAP//AAABAA=="/>
+                <pr:smNativeData xmlns:mc="http://schemas.openxmlformats.org/markup-compatibility/2006" xmlns:p14="http://schemas.microsoft.com/office/powerpoint/2010/main" xmlns:p15="http://schemas.microsoft.com/office/powerpoint/2012/main" xmlns:pr="smNativeData" xmlns="smNativeData" val="SMDATA_16_xzE7ZxMAAAAlAAAAZAAAAA0AAAAAkAAAAEgAAACQAAAASAAAAAAAAAAAAAAAAAAAAAEAAABQAAAAAAAAAAAA4D8AAAAAAADgPwAAAAAAAOA/AAAAAAAA4D8AAAAAAADgPwAAAAAAAOA/AAAAAAAA4D8AAAAAAADgPwAAAAAAAOA/AAAAAAAA4D8CAAAAjAAAAAAAAAAAAAAARHLEDP///wgAAAAAAAAAAAAAAAAAAAAAAAAAAAAAAAAAAAAAZAAAAAEAAABAAAAAAAAAAAAAAAAAAAAAAAAAAAAAAAAAAAAAAAAAAAAAAAAAAAAAAAAAAAAAAAAAAAAAAAAAAAAAAAAAAAAAAAAAAAAAAAAAAAAAAAAAAAAAAAAAAAAAFAAAADwAAAAAAAAAAAAAAAAAAAkUAAAAAQAAABQAAAAUAAAAFAAAAAEAAAAAAAAAZAAAAGQAAAAAAAAAZAAAAGQAAAAVAAAAYAAAAAAAAAAAAAAADwAAACADAAAAAAAAAAAAAAEAAACgMgAAVgcAAKr4//8BAAAAf39/AAEAAABkAAAAAAAAABQAAABAHwAAAAAAACYAAAAAAAAAwOD//wAAAAAmAAAAZAAAABYAAABMAAAAAAAAAAAAAAAEAAAAAAAAAAEAAADn5uYKAAAAACgAAAAoAAAAZAAAAGQAAAAAAAAAzMzMAAAAAABQAAAAUAAAAGQAAABkAAAAAAAAABcAAAAUAAAAAAAAAAAAAAD/fwAA/38AAAAAAAAJAAAABAAAAAAAAAAeAAAAaAAAAAAAAAAAAAAAAAAAAAAAAAAAAAAAECcAABAnAAAAAAAAAAAAAAAAAAAAAAAAAAAAAAAAAAAAAAAAAAAAABQAAAAAAAAAwMD/AAAAAABkAAAAMgAAAAAAAABkAAAAAAAAAH9/fwAKAAAAIgAAABgAAAAAAAAAAAAAAAAAAAAAAAAAAAAAAAAAAAAkAAAAJAAAAAAAAAAHAAAAAAAAAAAAAAAAAAAAAAAAAAAAAAAAAAAAf39/ACUAAABYAAAAAAAAAAAAAAAAAAAAAAAAAAAAAAAAAAAAAAAAAAAAAAAAAAAAAAAAAAAAAAA/AAAAAAAAAKCGAQAAAAAAAAAAAAAAAAAMAAAAAQAAAAAAAAAAAAAAAAAAAB8AAABUAAAARHLEBf///wEAAAAAAAAAAAAAAAAAAAAAAAAAAAAAAAAAAAAAAAAAAAAAAAJ/f38A5+bmA8zMzADAwP8Af39/AAAAAAAAAAAAAAAAAAAAAAAAAAAAIQAAABgAAAAUAAAAKAUAADsLAADYRQAAACYAABAAAAAmAAAACAAAAAAAAAAAAAAAMAAAABQAAAAAAAAAAAD//wAAAQAAAP//AAABAA=="/>
               </a:ext>
             </a:extLst>
           </p:cNvSpPr>
@@ -6576,19 +6019,15 @@
             <a:pPr>
               <a:defRPr lang="ru-ru"/>
             </a:pPr>
+            <a:endParaRPr/>
           </a:p>
         </p:txBody>
       </p:sp>
       <p:pic>
         <p:nvPicPr>
-          <p:cNvPr id="4" name="Рисунок 4"/>
+          <p:cNvPr id="6" name="Рисунок 5"/>
           <p:cNvPicPr>
             <a:picLocks noChangeAspect="1"/>
-            <a:extLst>
-              <a:ext uri="smNativeData">
-                <pr:smNativeData xmlns:pr="smNativeData" xmlns="smNativeData" val="SMDATA_18_xzE7ZxMAAAAlAAAAEQAAAC0AAAAAkAAAAEgAAACQAAAASAAAAAAAAAAAAAAAAAAAAAEAAABQAAAAAAAAAAAA4D8AAAAAAADgPwAAAAAAAOA/AAAAAAAA4D8AAAAAAADgPwAAAAAAAOA/AAAAAAAA4D8AAAAAAADgPwAAAAAAAOA/AAAAAAAA4D8CAAAAjAAAAAAAAAAAAAAARHLEDP///wgAAAAAAAAAAAAAAAAAAAAAAAAAAAAAAAAAAAAAZAAAAAEAAABAAAAAAAAAAAAAAAAAAAAAAAAAAAAAAAAAAAAAAAAAAAAAAAAAAAAAAAAAAAAAAAAAAAAAAAAAAAAAAAAAAAAAAAAAAAAAAAAAAAAAAAAAAAAAAAAAAAAAFAAAADwAAAAAAAAAAAAAAAAAAAkUAAAAAQAAABQAAAAUAAAAFAAAAAEAAAAAAAAAZAAAAGQAAAAAAAAAZAAAAGQAAAAVAAAAYAAAAAAAAAAAAAAADwAAACADAAAAAAAAAAAAAAEAAACgMgAAVgcAAKr4//8BAAAAf39/AAEAAABkAAAAAAAAABQAAABAHwAAAAAAACYAAAAAAAAAwOD//wAAAAAmAAAAZAAAABYAAABMAAAAAAAAAAAAAAAEAAAAAAAAAAEAAADn5uYKAAAAACgAAAAoAAAAZAAAAGQAAAAAAAAAzMzMAAAAAABQAAAAUAAAAGQAAABkAAAAAAAAAAcAAAA4AAAAAAAAAAAAAAAAAAAA////AAAAAAAAAAAAAAAAAAAAAAAAAAAAAAAAAAAAAABkAAAAZAAAAAAAAAAjAAAABAAAAGQAAAAXAAAAFAAAAAAAAAAAAAAA/38AAP9/AAAAAAAACQAAAAQAAAD/////HgAAAGgAAAAAAAAAAAAAAAAAAAAAAAAAAAAAABAnAAAQJwAAAAAAAAAAAAAAAAAAAAAAAAAAAAAAAAAAAAAAAAAAAAAUAAAAAAAAAMDA/wAAAAAAZAAAADIAAAAAAAAAZAAAAAAAAAB/f38ACgAAACIAAAAYAAAAAAAAAAAAAAAAAAAAAAAAAAAAAAAAAAAAJAAAACQAAAAAAAAABwAAAAAAAAAAAAAAAAAAAAAAAAAAAAAAAAAAAH9/fwAlAAAAWAAAAAAAAAAAAAAAAAAAAAAAAAAAAAAAAAAAAAAAAAAAAAAAAAAAAAAAAAAAAAAAPwAAAAAAAACghgEAAAAAAAAAAAAAAAAADAAAAAEAAAAAAAAAAAAAAAAAAAAfAAAAVAAAAERyxAX///8BAAAAAAAAAAAAAAAAAAAAAAAAAAAAAAAAAAAAAAAAAAAAAAACf39/AOfm5gPMzMwAwMD/AH9/fwAAAAAAAAAAAAAAAAD///8AAAAAACEAAAAYAAAAFAAAAIQDAADJBAAAHCAAAPEnAAAQAAAAJgAAAAgAAAD//////////zAAAAAUAAAAAAAAAAAA//8AAAEAAAD//wAAAQA="/>
-              </a:ext>
-            </a:extLst>
           </p:cNvPicPr>
           <p:nvPr/>
         </p:nvPicPr>
@@ -6600,29 +6039,19 @@
         </p:blipFill>
         <p:spPr>
           <a:xfrm>
-            <a:off x="571500" y="777875"/>
-            <a:ext cx="4648200" cy="5715000"/>
+            <a:off x="276226" y="521137"/>
+            <a:ext cx="4942840" cy="6107765"/>
           </a:xfrm>
           <a:prstGeom prst="rect">
             <a:avLst/>
           </a:prstGeom>
-          <a:noFill/>
-          <a:ln>
-            <a:noFill/>
-          </a:ln>
-          <a:effectLst/>
         </p:spPr>
       </p:pic>
       <p:pic>
         <p:nvPicPr>
-          <p:cNvPr id="5" name="Рисунок 6"/>
+          <p:cNvPr id="7" name="Рисунок 6"/>
           <p:cNvPicPr>
             <a:picLocks noChangeAspect="1"/>
-            <a:extLst>
-              <a:ext uri="smNativeData">
-                <pr:smNativeData xmlns:pr="smNativeData" xmlns="smNativeData" val="SMDATA_18_xzE7ZxMAAAAlAAAAEQAAAC0AAAAAkAAAAEgAAACQAAAASAAAAAAAAAAAAAAAAAAAAAEAAABQAAAAAAAAAAAA4D8AAAAAAADgPwAAAAAAAOA/AAAAAAAA4D8AAAAAAADgPwAAAAAAAOA/AAAAAAAA4D8AAAAAAADgPwAAAAAAAOA/AAAAAAAA4D8CAAAAjAAAAAAAAAAAAAAARHLEDP///wgAAAAAAAAAAAAAAAAAAAAAAAAAAAAAAAAAAAAAZAAAAAEAAABAAAAAAAAAAAAAAAAAAAAAAAAAAAAAAAAAAAAAAAAAAAAAAAAAAAAAAAAAAAAAAAAAAAAAAAAAAAAAAAAAAAAAAAAAAAAAAAAAAAAAAAAAAAAAAAAAAAAAFAAAADwAAAAAAAAAAAAAAAAAAAkUAAAAAQAAABQAAAAUAAAAFAAAAAEAAAAAAAAAZAAAAGQAAAAAAAAAZAAAAGQAAAAVAAAAYAAAAAAAAAAAAAAADwAAACADAAAAAAAAAAAAAAEAAACgMgAAVgcAAKr4//8BAAAAf39/AAEAAABkAAAAAAAAABQAAABAHwAAAAAAACYAAAAAAAAAwOD//wAAAAAmAAAAZAAAABYAAABMAAAAAAAAAAAAAAAEAAAAAAAAAAEAAADn5uYKAAAAACgAAAAoAAAAZAAAAGQAAAAAAAAAzMzMAAAAAABQAAAAUAAAAGQAAABkAAAAAAAAAAcAAAA4AAAAAAAAAAAAAAAAAAAA////AAAAAAAAAAAAAAAAAAAAAAAAAAAAAAAAAAAAAABkAAAAZAAAAAAAAAAjAAAABAAAAGQAAAAXAAAAFAAAAAAAAAAAAAAA/38AAP9/AAAAAAAACQAAAAQAAAAAAAAAHgAAAGgAAAAAAAAAAAAAAAAAAAAAAAAAAAAAABAnAAAQJwAAAAAAAAAAAAAAAAAAAAAAAAAAAAAAAAAAAAAAAAAAAAAUAAAAAAAAAMDA/wAAAAAAZAAAADIAAAAAAAAAZAAAAAAAAAB/f38ACgAAACIAAAAYAAAAAAAAAAAAAAAAAAAAAAAAAAAAAAAAAAAAJAAAACQAAAAAAAAABwAAAAAAAAAAAAAAAAAAAAAAAAAAAAAAAAAAAH9/fwAlAAAAWAAAAAAAAAAAAAAAAAAAAAAAAAAAAAAAAAAAAAAAAAAAAAAAAAAAAAAAAAAAAAAAPwAAAAAAAACghgEAAAAAAAAAAAAAAAAADAAAAAEAAAAAAAAAAAAAAAAAAAAfAAAAVAAAAERyxAX///8BAAAAAAAAAAAAAAAAAAAAAAAAAAAAAAAAAAAAAAAAAAAAAAACf39/AOfm5gPMzMwAwMD/AH9/fwAAAAAAAAAAAAAAAAD///8AAAAAACEAAAAYAAAAFAAAALUkAAAkBAAAPkEAAPEnAAAQAAAAJgAAAAgAAAD//////////zAAAAAUAAAAAAAAAAAA//8AAAEAAAD//wAAAQA="/>
-              </a:ext>
-            </a:extLst>
           </p:cNvPicPr>
           <p:nvPr/>
         </p:nvPicPr>
@@ -6634,17 +6063,268 @@
         </p:blipFill>
         <p:spPr>
           <a:xfrm>
-            <a:off x="5967095" y="673100"/>
-            <a:ext cx="4638675" cy="5819775"/>
+            <a:off x="5899672" y="565443"/>
+            <a:ext cx="4868412" cy="6063459"/>
           </a:xfrm>
           <a:prstGeom prst="rect">
             <a:avLst/>
           </a:prstGeom>
-          <a:noFill/>
-          <a:ln>
-            <a:noFill/>
-          </a:ln>
-          <a:effectLst/>
+        </p:spPr>
+      </p:pic>
+    </p:spTree>
+  </p:cSld>
+  <p:clrMapOvr>
+    <a:masterClrMapping/>
+  </p:clrMapOvr>
+  <p:timing>
+    <p:tnLst>
+      <p:par>
+        <p:cTn id="1" dur="indefinite" restart="never" nodeType="tmRoot"/>
+      </p:par>
+    </p:tnLst>
+  </p:timing>
+</p:sld>
+</file>
+
+<file path=ppt/slides/slide5.xml><?xml version="1.0" encoding="utf-8"?>
+<p:sld xmlns:a="http://schemas.openxmlformats.org/drawingml/2006/main" xmlns:r="http://schemas.openxmlformats.org/officeDocument/2006/relationships" xmlns:p="http://schemas.openxmlformats.org/presentationml/2006/main">
+  <p:cSld>
+    <p:spTree>
+      <p:nvGrpSpPr>
+        <p:cNvPr id="1" name=""/>
+        <p:cNvGrpSpPr/>
+        <p:nvPr/>
+      </p:nvGrpSpPr>
+      <p:grpSpPr>
+        <a:xfrm>
+          <a:off x="0" y="0"/>
+          <a:ext cx="0" cy="0"/>
+          <a:chOff x="0" y="0"/>
+          <a:chExt cx="0" cy="0"/>
+        </a:xfrm>
+      </p:grpSpPr>
+      <p:sp>
+        <p:nvSpPr>
+          <p:cNvPr id="2" name="Заголовок 1"/>
+          <p:cNvSpPr>
+            <a:spLocks noGrp="1" noChangeArrowheads="1"/>
+            <a:extLst>
+              <a:ext uri="smNativeData">
+                <pr:smNativeData xmlns:mc="http://schemas.openxmlformats.org/markup-compatibility/2006" xmlns:p14="http://schemas.microsoft.com/office/powerpoint/2010/main" xmlns:p15="http://schemas.microsoft.com/office/powerpoint/2012/main" xmlns:pr="smNativeData" xmlns="smNativeData" val="SMDATA_16_xzE7ZxMAAAAlAAAAZAAAAA0AAAAAkAAAAEgAAACQAAAASAAAAAAAAAABAAAAAAAAAAEAAABQAAAAAAAAAAAA4D8AAAAAAADgPwAAAAAAAOA/AAAAAAAA4D8AAAAAAADgPwAAAAAAAOA/AAAAAAAA4D8AAAAAAADgPwAAAAAAAOA/AAAAAAAA4D8CAAAAjAAAAAAAAAAAAAAARHLEDP///wgAAAAAAAAAAAAAAAAAAAAAAAAAAAAAAAAAAAAAZAAAAAEAAABAAAAAAAAAAAAAAAAAAAAAAAAAAAAAAAAAAAAAAAAAAAAAAAAAAAAAAAAAAAAAAAAAAAAAAAAAAAAAAAAAAAAAAAAAAAAAAAAAAAAAAAAAAAAAAAAAAAAAFAAAADwAAAAAAAAAAAAAAAAAAAkUAAAAAQAAABQAAAAUAAAAFAAAAAEAAAAAAAAAZAAAAGQAAAAAAAAAZAAAAGQAAAAVAAAAYAAAAAAAAAAAAAAADwAAACADAAAAAAAAAAAAAAEAAACgMgAAVgcAAKr4//8BAAAAf39/AAEAAABkAAAAAAAAABQAAABAHwAAAAAAACYAAAAAAAAAwOD//wAAAAAmAAAAZAAAABYAAABMAAAAAAAAAAAAAAAEAAAAAAAAAAEAAADn5uYKAAAAACgAAAAoAAAAZAAAAGQAAAAAAAAAzMzMAAAAAABQAAAAUAAAAGQAAABkAAAAAAAAABcAAAAUAAAAAAAAAAAAAAD/fwAA/38AAAAAAAAJAAAABAAAAPCmZ7seAAAAaAAAAAAAAAAAAAAAAAAAAAAAAAAAAAAAECcAABAnAAAAAAAAAAAAAAAAAAAAAAAAAAAAAAAAAAAAAAAAAAAAABQAAAAAAAAAwMD/AAAAAABkAAAAMgAAAAAAAABkAAAAAAAAAH9/fwAKAAAAIgAAABgAAAAAAAAAAAAAAAAAAAAAAAAAAAAAAAAAAAAkAAAAJAAAAAAAAAAHAAAAAAAAAAAAAAAAAAAAAAAAAAAAAAAAAAAAf39/ACUAAABYAAAAAAAAAAAAAAAAAAAAAAAAAAAAAAAAAAAAAAAAAAAAAAAAAAAAAAAAAAAAAAA/AAAAAAAAAKCGAQAAAAAAAAAAAAAAAAAMAAAAAQAAAAAAAAAAAAAAAAAAAB8AAABUAAAARHLEBf///wEAAAAAAAAAAAAAAAAAAAAAAAAAAAAAAAAAAAAAAAAAAAAAAAJ/f38A5+bmA8zMzADAwP8Af39/AAAAAAAAAAAAAAAAAAAAAAAAAAAAIQAAABgAAAAUAAAAKAUAAD8CAADYRQAAZwoAABAAAAAmAAAACAAAAAAAAAAAAAAAMAAAABQAAAAAAAAAAAD//wAAAQAAAP//AAABAA=="/>
+              </a:ext>
+            </a:extLst>
+          </p:cNvSpPr>
+          <p:nvPr>
+            <p:ph type="title"/>
+          </p:nvPr>
+        </p:nvSpPr>
+        <p:spPr/>
+        <p:txBody>
+          <a:bodyPr/>
+          <a:lstStyle/>
+          <a:p>
+            <a:pPr>
+              <a:defRPr lang="ru-ru"/>
+            </a:pPr>
+            <a:endParaRPr/>
+          </a:p>
+        </p:txBody>
+      </p:sp>
+      <p:sp>
+        <p:nvSpPr>
+          <p:cNvPr id="3" name="Объект 2"/>
+          <p:cNvSpPr>
+            <a:spLocks noGrp="1" noChangeArrowheads="1"/>
+            <a:extLst>
+              <a:ext uri="smNativeData">
+                <pr:smNativeData xmlns:mc="http://schemas.openxmlformats.org/markup-compatibility/2006" xmlns:p14="http://schemas.microsoft.com/office/powerpoint/2010/main" xmlns:p15="http://schemas.microsoft.com/office/powerpoint/2012/main" xmlns:pr="smNativeData" xmlns="smNativeData" val="SMDATA_16_xzE7ZxMAAAAlAAAAZAAAAA0AAAAAkAAAAEgAAACQAAAASAAAAAAAAAAAAAAAAAAAAAEAAABQAAAAAAAAAAAA4D8AAAAAAADgPwAAAAAAAOA/AAAAAAAA4D8AAAAAAADgPwAAAAAAAOA/AAAAAAAA4D8AAAAAAADgPwAAAAAAAOA/AAAAAAAA4D8CAAAAjAAAAAAAAAAAAAAARHLEDP///wgAAAAAAAAAAAAAAAAAAAAAAAAAAAAAAAAAAAAAZAAAAAEAAABAAAAAAAAAAAAAAAAAAAAAAAAAAAAAAAAAAAAAAAAAAAAAAAAAAAAAAAAAAAAAAAAAAAAAAAAAAAAAAAAAAAAAAAAAAAAAAAAAAAAAAAAAAAAAAAAAAAAAFAAAADwAAAAAAAAAAAAAAAAAAAkUAAAAAQAAABQAAAAUAAAAFAAAAAEAAAAAAAAAZAAAAGQAAAAAAAAAZAAAAGQAAAAVAAAAYAAAAAAAAAAAAAAADwAAACADAAAAAAAAAAAAAAEAAACgMgAAVgcAAKr4//8BAAAAf39/AAEAAABkAAAAAAAAABQAAABAHwAAAAAAACYAAAAAAAAAwOD//wAAAAAmAAAAZAAAABYAAABMAAAAAAAAAAAAAAAEAAAAAAAAAAEAAADn5uYKAAAAACgAAAAoAAAAZAAAAGQAAAAAAAAAzMzMAAAAAABQAAAAUAAAAGQAAABkAAAAAAAAABcAAAAUAAAAAAAAAAAAAAD/fwAA/38AAAAAAAAJAAAABAAAABAFBAAeAAAAaAAAAAAAAAAAAAAAAAAAAAAAAAAAAAAAECcAABAnAAAAAAAAAAAAAAAAAAAAAAAAAAAAAAAAAAAAAAAAAAAAABQAAAAAAAAAwMD/AAAAAABkAAAAMgAAAAAAAABkAAAAAAAAAH9/fwAKAAAAIgAAABgAAAAAAAAAAAAAAAAAAAAAAAAAAAAAAAAAAAAkAAAAJAAAAAAAAAAHAAAAAAAAAAAAAAAAAAAAAAAAAAAAAAAAAAAAf39/ACUAAABYAAAAAAAAAAAAAAAAAAAAAAAAAAAAAAAAAAAAAAAAAAAAAAAAAAAAAAAAAAAAAAA/AAAAAAAAAKCGAQAAAAAAAAAAAAAAAAAMAAAAAQAAAAAAAAAAAAAAAAAAAB8AAABUAAAARHLEBf///wEAAAAAAAAAAAAAAAAAAAAAAAAAAAAAAAAAAAAAAAAAAAAAAAJ/f38A5+bmA8zMzADAwP8Af39/AAAAAAAAAAAAAAAAAAAAAAAAAAAAIQAAABgAAAAUAAAAKAUAADsLAADYRQAAACYAABAAAAAmAAAACAAAAAAAAAAAAAAAMAAAABQAAAAAAAAAAAD//wAAAQAAAP//AAABAA=="/>
+              </a:ext>
+            </a:extLst>
+          </p:cNvSpPr>
+          <p:nvPr>
+            <p:ph type="body" idx="1"/>
+          </p:nvPr>
+        </p:nvSpPr>
+        <p:spPr/>
+        <p:txBody>
+          <a:bodyPr/>
+          <a:lstStyle/>
+          <a:p>
+            <a:pPr>
+              <a:defRPr lang="ru-ru"/>
+            </a:pPr>
+            <a:endParaRPr/>
+          </a:p>
+        </p:txBody>
+      </p:sp>
+      <p:pic>
+        <p:nvPicPr>
+          <p:cNvPr id="4" name="Рисунок 3"/>
+          <p:cNvPicPr>
+            <a:picLocks noChangeAspect="1"/>
+          </p:cNvPicPr>
+          <p:nvPr/>
+        </p:nvPicPr>
+        <p:blipFill>
+          <a:blip r:embed="rId2"/>
+          <a:stretch>
+            <a:fillRect/>
+          </a:stretch>
+        </p:blipFill>
+        <p:spPr>
+          <a:xfrm>
+            <a:off x="120073" y="2392217"/>
+            <a:ext cx="5560006" cy="4160693"/>
+          </a:xfrm>
+          <a:prstGeom prst="rect">
+            <a:avLst/>
+          </a:prstGeom>
+        </p:spPr>
+      </p:pic>
+      <p:pic>
+        <p:nvPicPr>
+          <p:cNvPr id="5" name="Рисунок 4"/>
+          <p:cNvPicPr>
+            <a:picLocks noChangeAspect="1"/>
+          </p:cNvPicPr>
+          <p:nvPr/>
+        </p:nvPicPr>
+        <p:blipFill>
+          <a:blip r:embed="rId3"/>
+          <a:stretch>
+            <a:fillRect/>
+          </a:stretch>
+        </p:blipFill>
+        <p:spPr>
+          <a:xfrm>
+            <a:off x="5824009" y="3261962"/>
+            <a:ext cx="5938019" cy="3103133"/>
+          </a:xfrm>
+          <a:prstGeom prst="rect">
+            <a:avLst/>
+          </a:prstGeom>
+        </p:spPr>
+      </p:pic>
+    </p:spTree>
+  </p:cSld>
+  <p:clrMapOvr>
+    <a:masterClrMapping/>
+  </p:clrMapOvr>
+  <p:timing>
+    <p:tnLst>
+      <p:par>
+        <p:cTn id="1" dur="indefinite" restart="never" nodeType="tmRoot"/>
+      </p:par>
+    </p:tnLst>
+  </p:timing>
+</p:sld>
+</file>
+
+<file path=ppt/slides/slide6.xml><?xml version="1.0" encoding="utf-8"?>
+<p:sld xmlns:a="http://schemas.openxmlformats.org/drawingml/2006/main" xmlns:r="http://schemas.openxmlformats.org/officeDocument/2006/relationships" xmlns:p="http://schemas.openxmlformats.org/presentationml/2006/main">
+  <p:cSld>
+    <p:spTree>
+      <p:nvGrpSpPr>
+        <p:cNvPr id="1" name=""/>
+        <p:cNvGrpSpPr/>
+        <p:nvPr/>
+      </p:nvGrpSpPr>
+      <p:grpSpPr>
+        <a:xfrm>
+          <a:off x="0" y="0"/>
+          <a:ext cx="0" cy="0"/>
+          <a:chOff x="0" y="0"/>
+          <a:chExt cx="0" cy="0"/>
+        </a:xfrm>
+      </p:grpSpPr>
+      <p:sp>
+        <p:nvSpPr>
+          <p:cNvPr id="2" name="Заголовок 1"/>
+          <p:cNvSpPr>
+            <a:spLocks noGrp="1" noChangeArrowheads="1"/>
+            <a:extLst>
+              <a:ext uri="smNativeData">
+                <pr:smNativeData xmlns:mc="http://schemas.openxmlformats.org/markup-compatibility/2006" xmlns:p14="http://schemas.microsoft.com/office/powerpoint/2010/main" xmlns:p15="http://schemas.microsoft.com/office/powerpoint/2012/main" xmlns:pr="smNativeData" xmlns="smNativeData" val="SMDATA_16_xzE7ZxMAAAAlAAAAZAAAAA0AAAAAkAAAAEgAAACQAAAASAAAAAAAAAABAAAAAAAAAAEAAABQAAAAAAAAAAAA4D8AAAAAAADgPwAAAAAAAOA/AAAAAAAA4D8AAAAAAADgPwAAAAAAAOA/AAAAAAAA4D8AAAAAAADgPwAAAAAAAOA/AAAAAAAA4D8CAAAAjAAAAAAAAAAAAAAARHLEDP///wgAAAAAAAAAAAAAAAAAAAAAAAAAAAAAAAAAAAAAZAAAAAEAAABAAAAAAAAAAAAAAAAAAAAAAAAAAAAAAAAAAAAAAAAAAAAAAAAAAAAAAAAAAAAAAAAAAAAAAAAAAAAAAAAAAAAAAAAAAAAAAAAAAAAAAAAAAAAAAAAAAAAAFAAAADwAAAAAAAAAAAAAAAAAAAkUAAAAAQAAABQAAAAUAAAAFAAAAAEAAAAAAAAAZAAAAGQAAAAAAAAAZAAAAGQAAAAVAAAAYAAAAAAAAAAAAAAADwAAACADAAAAAAAAAAAAAAEAAACgMgAAVgcAAKr4//8BAAAAf39/AAEAAABkAAAAAAAAABQAAABAHwAAAAAAACYAAAAAAAAAwOD//wAAAAAmAAAAZAAAABYAAABMAAAAAAAAAAAAAAAEAAAAAAAAAAEAAADn5uYKAAAAACgAAAAoAAAAZAAAAGQAAAAAAAAAzMzMAAAAAABQAAAAUAAAAGQAAABkAAAAAAAAABcAAAAUAAAAAAAAAAAAAAD/fwAA/38AAAAAAAAJAAAABAAAANCabbseAAAAaAAAAAAAAAAAAAAAAAAAAAAAAAAAAAAAECcAABAnAAAAAAAAAAAAAAAAAAAAAAAAAAAAAAAAAAAAAAAAAAAAABQAAAAAAAAAwMD/AAAAAABkAAAAMgAAAAAAAABkAAAAAAAAAH9/fwAKAAAAIgAAABgAAAAAAAAAAAAAAAAAAAAAAAAAAAAAAAAAAAAkAAAAJAAAAAAAAAAHAAAAAAAAAAAAAAAAAAAAAAAAAAAAAAAAAAAAf39/ACUAAABYAAAAAAAAAAAAAAAAAAAAAAAAAAAAAAAAAAAAAAAAAAAAAAAAAAAAAAAAAAAAAAA/AAAAAAAAAKCGAQAAAAAAAAAAAAAAAAAMAAAAAQAAAAAAAAAAAAAAAAAAAB8AAABUAAAARHLEBf///wEAAAAAAAAAAAAAAAAAAAAAAAAAAAAAAAAAAAAAAAAAAAAAAAJ/f38A5+bmA8zMzADAwP8Af39/AAAAAAAAAAAAAAAAAAAAAAAAAAAAIQAAABgAAAAUAAAAKAUAAD8CAADYRQAAUwYAABAAAAAmAAAACAAAAAEgAAAAAAAAMAAAABQAAAAAAAAAAAD//wAAAQAAAP//AAABAA=="/>
+              </a:ext>
+            </a:extLst>
+          </p:cNvSpPr>
+          <p:nvPr>
+            <p:ph type="title"/>
+          </p:nvPr>
+        </p:nvSpPr>
+        <p:spPr>
+          <a:xfrm>
+            <a:off x="838200" y="365125"/>
+            <a:ext cx="10515600" cy="662940"/>
+          </a:xfrm>
+        </p:spPr>
+        <p:txBody>
+          <a:bodyPr vert="horz" wrap="square" lIns="91440" tIns="45720" rIns="91440" bIns="45720" numCol="1" spcCol="215900" anchor="ctr">
+            <a:prstTxWarp prst="textNoShape">
+              <a:avLst/>
+            </a:prstTxWarp>
+          </a:bodyPr>
+          <a:lstStyle/>
+          <a:p>
+            <a:pPr>
+              <a:spcBef>
+                <a:spcPts val="0"/>
+              </a:spcBef>
+              <a:defRPr lang="ru-ru" sz="3960" cap="none"/>
+            </a:pPr>
+            <a:endParaRPr lang="en-us" cap="none" dirty="0"/>
+          </a:p>
+        </p:txBody>
+      </p:sp>
+      <p:sp>
+        <p:nvSpPr>
+          <p:cNvPr id="3" name="Объект 2"/>
+          <p:cNvSpPr>
+            <a:spLocks noGrp="1" noChangeArrowheads="1"/>
+            <a:extLst>
+              <a:ext uri="smNativeData">
+                <pr:smNativeData xmlns:mc="http://schemas.openxmlformats.org/markup-compatibility/2006" xmlns:p14="http://schemas.microsoft.com/office/powerpoint/2010/main" xmlns:p15="http://schemas.microsoft.com/office/powerpoint/2012/main" xmlns:pr="smNativeData" xmlns="smNativeData" val="SMDATA_16_xzE7ZxMAAAAlAAAAZAAAAA0AAAAAkAAAAEgAAACQAAAASAAAAAAAAAAAAAAAAAAAAAEAAABQAAAAAAAAAAAA4D8AAAAAAADgPwAAAAAAAOA/AAAAAAAA4D8AAAAAAADgPwAAAAAAAOA/AAAAAAAA4D8AAAAAAADgPwAAAAAAAOA/AAAAAAAA4D8CAAAAjAAAAAAAAAAAAAAARHLEDP///wgAAAAAAAAAAAAAAAAAAAAAAAAAAAAAAAAAAAAAZAAAAAEAAABAAAAAAAAAAAAAAAAAAAAAAAAAAAAAAAAAAAAAAAAAAAAAAAAAAAAAAAAAAAAAAAAAAAAAAAAAAAAAAAAAAAAAAAAAAAAAAAAAAAAAAAAAAAAAAAAAAAAAFAAAADwAAAAAAAAAAAAAAAAAAAkUAAAAAQAAABQAAAAUAAAAFAAAAAEAAAAAAAAAZAAAAGQAAAAAAAAAZAAAAGQAAAAVAAAAYAAAAAAAAAAAAAAADwAAACADAAAAAAAAAAAAAAEAAACgMgAAVgcAAKr4//8BAAAAf39/AAEAAABkAAAAAAAAABQAAABAHwAAAAAAACYAAAAAAAAAwOD//wAAAAAmAAAAZAAAABYAAABMAAAAAAAAAAAAAAAEAAAAAAAAAAEAAADn5uYKAAAAACgAAAAoAAAAZAAAAGQAAAAAAAAAzMzMAAAAAABQAAAAUAAAAGQAAABkAAAAAAAAABcAAAAUAAAAAAAAAAAAAAD/fwAA/38AAAAAAAAJAAAABAAAAAAAAAAeAAAAaAAAAAAAAAAAAAAAAAAAAAAAAAAAAAAAECcAABAnAAAAAAAAAAAAAAAAAAAAAAAAAAAAAAAAAAAAAAAAAAAAABQAAAAAAAAAwMD/AAAAAABkAAAAMgAAAAAAAABkAAAAAAAAAH9/fwAKAAAAIgAAABgAAAAAAAAAAAAAAAAAAAAAAAAAAAAAAAAAAAAkAAAAJAAAAAAAAAAHAAAAAAAAAAAAAAAAAAAAAAAAAAAAAAAAAAAAf39/ACUAAABYAAAAAAAAAAAAAAAAAAAAAAAAAAAAAAAAAAAAAAAAAAAAAAAAAAAAAAAAAAAAAAA/AAAAAAAAAKCGAQAAAAAAAAAAAAAAAAAMAAAAAQAAAAAAAAAAAAAAAAAAAB8AAABUAAAARHLEBf///wEAAAAAAAAAAAAAAAAAAAAAAAAAAAAAAAAAAAAAAAAAAAAAAAJ/f38A5+bmA8zMzADAwP8Af39/AAAAAAAAAAAAAAAAAAAAAAAAAAAAIQAAABgAAAAUAAAAKAUAADsLAADYRQAAACYAABAAAAAmAAAACAAAAAAAAAAAAAAAMAAAABQAAAAAAAAAAAD//wAAAQAAAP//AAABAA=="/>
+              </a:ext>
+            </a:extLst>
+          </p:cNvSpPr>
+          <p:nvPr>
+            <p:ph type="body" idx="1"/>
+          </p:nvPr>
+        </p:nvSpPr>
+        <p:spPr/>
+        <p:txBody>
+          <a:bodyPr/>
+          <a:lstStyle/>
+          <a:p>
+            <a:pPr>
+              <a:defRPr lang="ru-ru"/>
+            </a:pPr>
+            <a:endParaRPr/>
+          </a:p>
+        </p:txBody>
+      </p:sp>
+      <p:pic>
+        <p:nvPicPr>
+          <p:cNvPr id="6" name="Рисунок 5"/>
+          <p:cNvPicPr>
+            <a:picLocks noChangeAspect="1"/>
+          </p:cNvPicPr>
+          <p:nvPr/>
+        </p:nvPicPr>
+        <p:blipFill>
+          <a:blip r:embed="rId2"/>
+          <a:stretch>
+            <a:fillRect/>
+          </a:stretch>
+        </p:blipFill>
+        <p:spPr>
+          <a:xfrm>
+            <a:off x="232010" y="493224"/>
+            <a:ext cx="6093299" cy="6220622"/>
+          </a:xfrm>
+          <a:prstGeom prst="rect">
+            <a:avLst/>
+          </a:prstGeom>
         </p:spPr>
       </p:pic>
     </p:spTree>
@@ -6663,7 +6343,7 @@
 </file>
 
 <file path=ppt/slides/slide7.xml><?xml version="1.0" encoding="utf-8"?>
-<p:sld xmlns:p="http://schemas.openxmlformats.org/presentationml/2006/main" xmlns:mc="http://schemas.openxmlformats.org/markup-compatibility/2006" xmlns:p14="http://schemas.microsoft.com/office/powerpoint/2010/main" xmlns:p15="http://schemas.microsoft.com/office/powerpoint/2012/main" xmlns:r="http://schemas.openxmlformats.org/officeDocument/2006/relationships" xmlns:a="http://schemas.openxmlformats.org/drawingml/2006/main" mc:Ignorable="p14">
+<p:sld xmlns:a="http://schemas.openxmlformats.org/drawingml/2006/main" xmlns:r="http://schemas.openxmlformats.org/officeDocument/2006/relationships" xmlns:p="http://schemas.openxmlformats.org/presentationml/2006/main">
   <p:cSld>
     <p:spTree>
       <p:nvGrpSpPr>
@@ -6686,7 +6366,7 @@
             <a:spLocks noGrp="1" noChangeArrowheads="1"/>
             <a:extLst>
               <a:ext uri="smNativeData">
-                <pr:smNativeData xmlns:pr="smNativeData" xmlns="smNativeData" val="SMDATA_16_xzE7ZxMAAAAlAAAAZAAAAA0AAAAAkAAAAEgAAACQAAAASAAAAAAAAAABAAAAAAAAAAEAAABQAAAAAAAAAAAA4D8AAAAAAADgPwAAAAAAAOA/AAAAAAAA4D8AAAAAAADgPwAAAAAAAOA/AAAAAAAA4D8AAAAAAADgPwAAAAAAAOA/AAAAAAAA4D8CAAAAjAAAAAAAAAAAAAAARHLEDP///wgAAAAAAAAAAAAAAAAAAAAAAAAAAAAAAAAAAAAAZAAAAAEAAABAAAAAAAAAAAAAAAAAAAAAAAAAAAAAAAAAAAAAAAAAAAAAAAAAAAAAAAAAAAAAAAAAAAAAAAAAAAAAAAAAAAAAAAAAAAAAAAAAAAAAAAAAAAAAAAAAAAAAFAAAADwAAAAAAAAAAAAAAAAAAAkUAAAAAQAAABQAAAAUAAAAFAAAAAEAAAAAAAAAZAAAAGQAAAAAAAAAZAAAAGQAAAAVAAAAYAAAAAAAAAAAAAAADwAAACADAAAAAAAAAAAAAAEAAACgMgAAVgcAAKr4//8BAAAAf39/AAEAAABkAAAAAAAAABQAAABAHwAAAAAAACYAAAAAAAAAwOD//wAAAAAmAAAAZAAAABYAAABMAAAAAAAAAAAAAAAEAAAAAAAAAAEAAADn5uYKAAAAACgAAAAoAAAAZAAAAGQAAAAAAAAAzMzMAAAAAABQAAAAUAAAAGQAAABkAAAAAAAAABcAAAAUAAAAAAAAAAAAAAD/fwAA/38AAAAAAAAJAAAABAAAAPCmZ7seAAAAaAAAAAAAAAAAAAAAAAAAAAAAAAAAAAAAECcAABAnAAAAAAAAAAAAAAAAAAAAAAAAAAAAAAAAAAAAAAAAAAAAABQAAAAAAAAAwMD/AAAAAABkAAAAMgAAAAAAAABkAAAAAAAAAH9/fwAKAAAAIgAAABgAAAAAAAAAAAAAAAAAAAAAAAAAAAAAAAAAAAAkAAAAJAAAAAAAAAAHAAAAAAAAAAAAAAAAAAAAAAAAAAAAAAAAAAAAf39/ACUAAABYAAAAAAAAAAAAAAAAAAAAAAAAAAAAAAAAAAAAAAAAAAAAAAAAAAAAAAAAAAAAAAA/AAAAAAAAAKCGAQAAAAAAAAAAAAAAAAAMAAAAAQAAAAAAAAAAAAAAAAAAAB8AAABUAAAARHLEBf///wEAAAAAAAAAAAAAAAAAAAAAAAAAAAAAAAAAAAAAAAAAAAAAAAJ/f38A5+bmA8zMzADAwP8Af39/AAAAAAAAAAAAAAAAAAAAAAAAAAAAIQAAABgAAAAUAAAAKAUAAD8CAADYRQAAZwoAABAAAAAmAAAACAAAAAAAAAAAAAAAMAAAABQAAAAAAAAAAAD//wAAAQAAAP//AAABAA=="/>
+                <pr:smNativeData xmlns:mc="http://schemas.openxmlformats.org/markup-compatibility/2006" xmlns:p14="http://schemas.microsoft.com/office/powerpoint/2010/main" xmlns:p15="http://schemas.microsoft.com/office/powerpoint/2012/main" xmlns:pr="smNativeData" xmlns="smNativeData" val="SMDATA_16_xzE7ZxMAAAAlAAAAZAAAAA0AAAAAkAAAAEgAAACQAAAASAAAAAAAAAABAAAAAAAAAAEAAABQAAAAAAAAAAAA4D8AAAAAAADgPwAAAAAAAOA/AAAAAAAA4D8AAAAAAADgPwAAAAAAAOA/AAAAAAAA4D8AAAAAAADgPwAAAAAAAOA/AAAAAAAA4D8CAAAAjAAAAAAAAAAAAAAARHLEDP///wgAAAAAAAAAAAAAAAAAAAAAAAAAAAAAAAAAAAAAZAAAAAEAAABAAAAAAAAAAAAAAAAAAAAAAAAAAAAAAAAAAAAAAAAAAAAAAAAAAAAAAAAAAAAAAAAAAAAAAAAAAAAAAAAAAAAAAAAAAAAAAAAAAAAAAAAAAAAAAAAAAAAAFAAAADwAAAAAAAAAAAAAAAAAAAkUAAAAAQAAABQAAAAUAAAAFAAAAAEAAAAAAAAAZAAAAGQAAAAAAAAAZAAAAGQAAAAVAAAAYAAAAAAAAAAAAAAADwAAACADAAAAAAAAAAAAAAEAAACgMgAAVgcAAKr4//8BAAAAf39/AAEAAABkAAAAAAAAABQAAABAHwAAAAAAACYAAAAAAAAAwOD//wAAAAAmAAAAZAAAABYAAABMAAAAAAAAAAAAAAAEAAAAAAAAAAEAAADn5uYKAAAAACgAAAAoAAAAZAAAAGQAAAAAAAAAzMzMAAAAAABQAAAAUAAAAGQAAABkAAAAAAAAABcAAAAUAAAAAAAAAAAAAAD/fwAA/38AAAAAAAAJAAAABAAAAAAAAAAeAAAAaAAAAAAAAAAAAAAAAAAAAAAAAAAAAAAAECcAABAnAAAAAAAAAAAAAAAAAAAAAAAAAAAAAAAAAAAAAAAAAAAAABQAAAAAAAAAwMD/AAAAAABkAAAAMgAAAAAAAABkAAAAAAAAAH9/fwAKAAAAIgAAABgAAAAAAAAAAAAAAAAAAAAAAAAAAAAAAAAAAAAkAAAAJAAAAAAAAAAHAAAAAAAAAAAAAAAAAAAAAAAAAAAAAAAAAAAAf39/ACUAAABYAAAAAAAAAAAAAAAAAAAAAAAAAAAAAAAAAAAAAAAAAAAAAAAAAAAAAAAAAAAAAAA/AAAAAAAAAKCGAQAAAAAAAAAAAAAAAAAMAAAAAQAAAAAAAAAAAAAAAAAAAB8AAABUAAAARHLEBf///wEAAAAAAAAAAAAAAAAAAAAAAAAAAAAAAAAAAAAAAAAAAAAAAAJ/f38A5+bmA8zMzADAwP8Af39/AAAAAAAAAAAAAAAAAAAAAAAAAAAAIQAAABgAAAAUAAAAKAUAAD8CAADYRQAAZwoAABAAAAAmAAAACAAAAAAAAAAAAAAAMAAAABQAAAAAAAAAAAD//wAAAQAAAP//AAABAA=="/>
               </a:ext>
             </a:extLst>
           </p:cNvSpPr>
@@ -6702,6 +6382,11 @@
             <a:pPr>
               <a:defRPr lang="ru-ru"/>
             </a:pPr>
+            <a:r>
+              <a:rPr lang="en-US" dirty="0"/>
+              <a:t>residual chronology</a:t>
+            </a:r>
+            <a:endParaRPr dirty="0"/>
           </a:p>
         </p:txBody>
       </p:sp>
@@ -6712,7 +6397,7 @@
             <a:spLocks noGrp="1" noChangeArrowheads="1"/>
             <a:extLst>
               <a:ext uri="smNativeData">
-                <pr:smNativeData xmlns:pr="smNativeData" xmlns="smNativeData" val="SMDATA_16_xzE7ZxMAAAAlAAAAZAAAAA0AAAAAkAAAAEgAAACQAAAASAAAAAAAAAAAAAAAAAAAAAEAAABQAAAAAAAAAAAA4D8AAAAAAADgPwAAAAAAAOA/AAAAAAAA4D8AAAAAAADgPwAAAAAAAOA/AAAAAAAA4D8AAAAAAADgPwAAAAAAAOA/AAAAAAAA4D8CAAAAjAAAAAAAAAAAAAAARHLEDP///wgAAAAAAAAAAAAAAAAAAAAAAAAAAAAAAAAAAAAAZAAAAAEAAABAAAAAAAAAAAAAAAAAAAAAAAAAAAAAAAAAAAAAAAAAAAAAAAAAAAAAAAAAAAAAAAAAAAAAAAAAAAAAAAAAAAAAAAAAAAAAAAAAAAAAAAAAAAAAAAAAAAAAFAAAADwAAAAAAAAAAAAAAAAAAAkUAAAAAQAAABQAAAAUAAAAFAAAAAEAAAAAAAAAZAAAAGQAAAAAAAAAZAAAAGQAAAAVAAAAYAAAAAAAAAAAAAAADwAAACADAAAAAAAAAAAAAAEAAACgMgAAVgcAAKr4//8BAAAAf39/AAEAAABkAAAAAAAAABQAAABAHwAAAAAAACYAAAAAAAAAwOD//wAAAAAmAAAAZAAAABYAAABMAAAAAAAAAAAAAAAEAAAAAAAAAAEAAADn5uYKAAAAACgAAAAoAAAAZAAAAGQAAAAAAAAAzMzMAAAAAABQAAAAUAAAAGQAAABkAAAAAAAAABcAAAAUAAAAAAAAAAAAAAD/fwAA/38AAAAAAAAJAAAABAAAABAFBAAeAAAAaAAAAAAAAAAAAAAAAAAAAAAAAAAAAAAAECcAABAnAAAAAAAAAAAAAAAAAAAAAAAAAAAAAAAAAAAAAAAAAAAAABQAAAAAAAAAwMD/AAAAAABkAAAAMgAAAAAAAABkAAAAAAAAAH9/fwAKAAAAIgAAABgAAAAAAAAAAAAAAAAAAAAAAAAAAAAAAAAAAAAkAAAAJAAAAAAAAAAHAAAAAAAAAAAAAAAAAAAAAAAAAAAAAAAAAAAAf39/ACUAAABYAAAAAAAAAAAAAAAAAAAAAAAAAAAAAAAAAAAAAAAAAAAAAAAAAAAAAAAAAAAAAAA/AAAAAAAAAKCGAQAAAAAAAAAAAAAAAAAMAAAAAQAAAAAAAAAAAAAAAAAAAB8AAABUAAAARHLEBf///wEAAAAAAAAAAAAAAAAAAAAAAAAAAAAAAAAAAAAAAAAAAAAAAAJ/f38A5+bmA8zMzADAwP8Af39/AAAAAAAAAAAAAAAAAAAAAAAAAAAAIQAAABgAAAAUAAAAKAUAADsLAADYRQAAACYAABAAAAAmAAAACAAAAAAAAAAAAAAAMAAAABQAAAAAAAAAAAD//wAAAQAAAP//AAABAA=="/>
+                <pr:smNativeData xmlns:mc="http://schemas.openxmlformats.org/markup-compatibility/2006" xmlns:p14="http://schemas.microsoft.com/office/powerpoint/2010/main" xmlns:p15="http://schemas.microsoft.com/office/powerpoint/2012/main" xmlns:pr="smNativeData" xmlns="smNativeData" val="SMDATA_16_xzE7ZxMAAAAlAAAAZAAAAA0AAAAAkAAAAEgAAACQAAAASAAAAAAAAAAAAAAAAAAAAAEAAABQAAAAAAAAAAAA4D8AAAAAAADgPwAAAAAAAOA/AAAAAAAA4D8AAAAAAADgPwAAAAAAAOA/AAAAAAAA4D8AAAAAAADgPwAAAAAAAOA/AAAAAAAA4D8CAAAAjAAAAAAAAAAAAAAARHLEDP///wgAAAAAAAAAAAAAAAAAAAAAAAAAAAAAAAAAAAAAZAAAAAEAAABAAAAAAAAAAAAAAAAAAAAAAAAAAAAAAAAAAAAAAAAAAAAAAAAAAAAAAAAAAAAAAAAAAAAAAAAAAAAAAAAAAAAAAAAAAAAAAAAAAAAAAAAAAAAAAAAAAAAAFAAAADwAAAAAAAAAAAAAAAAAAAkUAAAAAQAAABQAAAAUAAAAFAAAAAEAAAAAAAAAZAAAAGQAAAAAAAAAZAAAAGQAAAAVAAAAYAAAAAAAAAAAAAAADwAAACADAAAAAAAAAAAAAAEAAACgMgAAVgcAAKr4//8BAAAAf39/AAEAAABkAAAAAAAAABQAAABAHwAAAAAAACYAAAAAAAAAwOD//wAAAAAmAAAAZAAAABYAAABMAAAAAAAAAAAAAAAEAAAAAAAAAAEAAADn5uYKAAAAACgAAAAoAAAAZAAAAGQAAAAAAAAAzMzMAAAAAABQAAAAUAAAAGQAAABkAAAAAAAAABcAAAAUAAAAAAAAAAAAAAD/fwAA/38AAAAAAAAJAAAABAAAAAAAAAAeAAAAaAAAAAAAAAAAAAAAAAAAAAAAAAAAAAAAECcAABAnAAAAAAAAAAAAAAAAAAAAAAAAAAAAAAAAAAAAAAAAAAAAABQAAAAAAAAAwMD/AAAAAABkAAAAMgAAAAAAAABkAAAAAAAAAH9/fwAKAAAAIgAAABgAAAAAAAAAAAAAAAAAAAAAAAAAAAAAAAAAAAAkAAAAJAAAAAAAAAAHAAAAAAAAAAAAAAAAAAAAAAAAAAAAAAAAAAAAf39/ACUAAABYAAAAAAAAAAAAAAAAAAAAAAAAAAAAAAAAAAAAAAAAAAAAAAAAAAAAAAAAAAAAAAA/AAAAAAAAAKCGAQAAAAAAAAAAAAAAAAAMAAAAAQAAAAAAAAAAAAAAAAAAAB8AAABUAAAARHLEBf///wEAAAAAAAAAAAAAAAAAAAAAAAAAAAAAAAAAAAAAAAAAAAAAAAJ/f38A5+bmA8zMzADAwP8Af39/AAAAAAAAAAAAAAAAAAAAAAAAAAAAIQAAABgAAAAUAAAAKAUAADsLAADYRQAAACYAABAAAAAmAAAACAAAAAAAAAAAAAAAMAAAABQAAAAAAAAAAAD//wAAAQAAAP//AAABAA=="/>
               </a:ext>
             </a:extLst>
           </p:cNvSpPr>
@@ -6728,228 +6413,7 @@
             <a:pPr>
               <a:defRPr lang="ru-ru"/>
             </a:pPr>
-          </a:p>
-        </p:txBody>
-      </p:sp>
-    </p:spTree>
-  </p:cSld>
-  <p:clrMapOvr>
-    <a:masterClrMapping/>
-  </p:clrMapOvr>
-  <p:timing>
-    <p:tnLst>
-      <p:par>
-        <p:cTn id="1" dur="indefinite" restart="never" nodeType="tmRoot"/>
-      </p:par>
-    </p:tnLst>
-  </p:timing>
-</p:sld>
-</file>
-
-<file path=ppt/slides/slide8.xml><?xml version="1.0" encoding="utf-8"?>
-<p:sld xmlns:p="http://schemas.openxmlformats.org/presentationml/2006/main" xmlns:mc="http://schemas.openxmlformats.org/markup-compatibility/2006" xmlns:p14="http://schemas.microsoft.com/office/powerpoint/2010/main" xmlns:p15="http://schemas.microsoft.com/office/powerpoint/2012/main" xmlns:r="http://schemas.openxmlformats.org/officeDocument/2006/relationships" xmlns:a="http://schemas.openxmlformats.org/drawingml/2006/main" mc:Ignorable="p14">
-  <p:cSld>
-    <p:spTree>
-      <p:nvGrpSpPr>
-        <p:cNvPr id="1" name=""/>
-        <p:cNvGrpSpPr/>
-        <p:nvPr/>
-      </p:nvGrpSpPr>
-      <p:grpSpPr>
-        <a:xfrm>
-          <a:off x="0" y="0"/>
-          <a:ext cx="0" cy="0"/>
-          <a:chOff x="0" y="0"/>
-          <a:chExt cx="0" cy="0"/>
-        </a:xfrm>
-      </p:grpSpPr>
-      <p:sp>
-        <p:nvSpPr>
-          <p:cNvPr id="2" name="Заголовок 1"/>
-          <p:cNvSpPr>
-            <a:spLocks noGrp="1" noChangeArrowheads="1"/>
-            <a:extLst>
-              <a:ext uri="smNativeData">
-                <pr:smNativeData xmlns:pr="smNativeData" xmlns="smNativeData" val="SMDATA_16_xzE7ZxMAAAAlAAAAZAAAAA0AAAAAkAAAAEgAAACQAAAASAAAAAAAAAABAAAAAAAAAAEAAABQAAAAAAAAAAAA4D8AAAAAAADgPwAAAAAAAOA/AAAAAAAA4D8AAAAAAADgPwAAAAAAAOA/AAAAAAAA4D8AAAAAAADgPwAAAAAAAOA/AAAAAAAA4D8CAAAAjAAAAAAAAAAAAAAARHLEDP///wgAAAAAAAAAAAAAAAAAAAAAAAAAAAAAAAAAAAAAZAAAAAEAAABAAAAAAAAAAAAAAAAAAAAAAAAAAAAAAAAAAAAAAAAAAAAAAAAAAAAAAAAAAAAAAAAAAAAAAAAAAAAAAAAAAAAAAAAAAAAAAAAAAAAAAAAAAAAAAAAAAAAAFAAAADwAAAAAAAAAAAAAAAAAAAkUAAAAAQAAABQAAAAUAAAAFAAAAAEAAAAAAAAAZAAAAGQAAAAAAAAAZAAAAGQAAAAVAAAAYAAAAAAAAAAAAAAADwAAACADAAAAAAAAAAAAAAEAAACgMgAAVgcAAKr4//8BAAAAf39/AAEAAABkAAAAAAAAABQAAABAHwAAAAAAACYAAAAAAAAAwOD//wAAAAAmAAAAZAAAABYAAABMAAAAAAAAAAAAAAAEAAAAAAAAAAEAAADn5uYKAAAAACgAAAAoAAAAZAAAAGQAAAAAAAAAzMzMAAAAAABQAAAAUAAAAGQAAABkAAAAAAAAABcAAAAUAAAAAAAAAAAAAAD/fwAA/38AAAAAAAAJAAAABAAAANCabbseAAAAaAAAAAAAAAAAAAAAAAAAAAAAAAAAAAAAECcAABAnAAAAAAAAAAAAAAAAAAAAAAAAAAAAAAAAAAAAAAAAAAAAABQAAAAAAAAAwMD/AAAAAABkAAAAMgAAAAAAAABkAAAAAAAAAH9/fwAKAAAAIgAAABgAAAAAAAAAAAAAAAAAAAAAAAAAAAAAAAAAAAAkAAAAJAAAAAAAAAAHAAAAAAAAAAAAAAAAAAAAAAAAAAAAAAAAAAAAf39/ACUAAABYAAAAAAAAAAAAAAAAAAAAAAAAAAAAAAAAAAAAAAAAAAAAAAAAAAAAAAAAAAAAAAA/AAAAAAAAAKCGAQAAAAAAAAAAAAAAAAAMAAAAAQAAAAAAAAAAAAAAAAAAAB8AAABUAAAARHLEBf///wEAAAAAAAAAAAAAAAAAAAAAAAAAAAAAAAAAAAAAAAAAAAAAAAJ/f38A5+bmA8zMzADAwP8Af39/AAAAAAAAAAAAAAAAAAAAAAAAAAAAIQAAABgAAAAUAAAAKAUAAD8CAADYRQAAUwYAABAAAAAmAAAACAAAAAEgAAAAAAAAMAAAABQAAAAAAAAAAAD//wAAAQAAAP//AAABAA=="/>
-              </a:ext>
-            </a:extLst>
-          </p:cNvSpPr>
-          <p:nvPr>
-            <p:ph type="title"/>
-          </p:nvPr>
-        </p:nvSpPr>
-        <p:spPr>
-          <a:xfrm>
-            <a:off x="838200" y="365125"/>
-            <a:ext cx="10515600" cy="662940"/>
-          </a:xfrm>
-        </p:spPr>
-        <p:txBody>
-          <a:bodyPr vert="horz" wrap="square" lIns="91440" tIns="45720" rIns="91440" bIns="45720" numCol="1" spcCol="215900" anchor="ctr">
-            <a:prstTxWarp prst="textNoShape">
-              <a:avLst/>
-            </a:prstTxWarp>
-          </a:bodyPr>
-          <a:lstStyle/>
-          <a:p>
-            <a:pPr>
-              <a:spcBef>
-                <a:spcPts val="0"/>
-              </a:spcBef>
-              <a:defRPr lang="ru-ru" sz="3960" cap="none"/>
-            </a:pPr>
-            <a:r>
-              <a:rPr lang="en-us" cap="none"/>
-              <a:t>S</a:t>
-            </a:r>
-            <a:endParaRPr lang="en-us" cap="none"/>
-          </a:p>
-        </p:txBody>
-      </p:sp>
-      <p:sp>
-        <p:nvSpPr>
-          <p:cNvPr id="3" name="Объект 2"/>
-          <p:cNvSpPr>
-            <a:spLocks noGrp="1" noChangeArrowheads="1"/>
-            <a:extLst>
-              <a:ext uri="smNativeData">
-                <pr:smNativeData xmlns:pr="smNativeData" xmlns="smNativeData" val="SMDATA_16_xzE7ZxMAAAAlAAAAZAAAAA0AAAAAkAAAAEgAAACQAAAASAAAAAAAAAAAAAAAAAAAAAEAAABQAAAAAAAAAAAA4D8AAAAAAADgPwAAAAAAAOA/AAAAAAAA4D8AAAAAAADgPwAAAAAAAOA/AAAAAAAA4D8AAAAAAADgPwAAAAAAAOA/AAAAAAAA4D8CAAAAjAAAAAAAAAAAAAAARHLEDP///wgAAAAAAAAAAAAAAAAAAAAAAAAAAAAAAAAAAAAAZAAAAAEAAABAAAAAAAAAAAAAAAAAAAAAAAAAAAAAAAAAAAAAAAAAAAAAAAAAAAAAAAAAAAAAAAAAAAAAAAAAAAAAAAAAAAAAAAAAAAAAAAAAAAAAAAAAAAAAAAAAAAAAFAAAADwAAAAAAAAAAAAAAAAAAAkUAAAAAQAAABQAAAAUAAAAFAAAAAEAAAAAAAAAZAAAAGQAAAAAAAAAZAAAAGQAAAAVAAAAYAAAAAAAAAAAAAAADwAAACADAAAAAAAAAAAAAAEAAACgMgAAVgcAAKr4//8BAAAAf39/AAEAAABkAAAAAAAAABQAAABAHwAAAAAAACYAAAAAAAAAwOD//wAAAAAmAAAAZAAAABYAAABMAAAAAAAAAAAAAAAEAAAAAAAAAAEAAADn5uYKAAAAACgAAAAoAAAAZAAAAGQAAAAAAAAAzMzMAAAAAABQAAAAUAAAAGQAAABkAAAAAAAAABcAAAAUAAAAAAAAAAAAAAD/fwAA/38AAAAAAAAJAAAABAAAAAAAAAAeAAAAaAAAAAAAAAAAAAAAAAAAAAAAAAAAAAAAECcAABAnAAAAAAAAAAAAAAAAAAAAAAAAAAAAAAAAAAAAAAAAAAAAABQAAAAAAAAAwMD/AAAAAABkAAAAMgAAAAAAAABkAAAAAAAAAH9/fwAKAAAAIgAAABgAAAAAAAAAAAAAAAAAAAAAAAAAAAAAAAAAAAAkAAAAJAAAAAAAAAAHAAAAAAAAAAAAAAAAAAAAAAAAAAAAAAAAAAAAf39/ACUAAABYAAAAAAAAAAAAAAAAAAAAAAAAAAAAAAAAAAAAAAAAAAAAAAAAAAAAAAAAAAAAAAA/AAAAAAAAAKCGAQAAAAAAAAAAAAAAAAAMAAAAAQAAAAAAAAAAAAAAAAAAAB8AAABUAAAARHLEBf///wEAAAAAAAAAAAAAAAAAAAAAAAAAAAAAAAAAAAAAAAAAAAAAAAJ/f38A5+bmA8zMzADAwP8Af39/AAAAAAAAAAAAAAAAAAAAAAAAAAAAIQAAABgAAAAUAAAAKAUAADsLAADYRQAAACYAABAAAAAmAAAACAAAAAAAAAAAAAAAMAAAABQAAAAAAAAAAAD//wAAAQAAAP//AAABAA=="/>
-              </a:ext>
-            </a:extLst>
-          </p:cNvSpPr>
-          <p:nvPr>
-            <p:ph type="body" idx="1"/>
-          </p:nvPr>
-        </p:nvSpPr>
-        <p:spPr/>
-        <p:txBody>
-          <a:bodyPr/>
-          <a:lstStyle/>
-          <a:p>
-            <a:pPr>
-              <a:defRPr lang="ru-ru"/>
-            </a:pPr>
-          </a:p>
-        </p:txBody>
-      </p:sp>
-      <p:pic>
-        <p:nvPicPr>
-          <p:cNvPr id="4" name="Рисунок 6"/>
-          <p:cNvPicPr>
-            <a:picLocks noChangeAspect="1"/>
-            <a:extLst>
-              <a:ext uri="smNativeData">
-                <pr:smNativeData xmlns:pr="smNativeData" xmlns="smNativeData" val="SMDATA_18_xzE7ZxMAAAAlAAAAEQAAAC0AAAAAkAAAAEgAAACQAAAASAAAAAAAAAAAAAAAAAAAAAEAAABQAAAAAAAAAAAA4D8AAAAAAADgPwAAAAAAAOA/AAAAAAAA4D8AAAAAAADgPwAAAAAAAOA/AAAAAAAA4D8AAAAAAADgPwAAAAAAAOA/AAAAAAAA4D8CAAAAjAAAAAAAAAAAAAAARHLEDP///wgAAAAAAAAAAAAAAAAAAAAAAAAAAAAAAAAAAAAAZAAAAAEAAABAAAAAAAAAAAAAAAAAAAAAAAAAAAAAAAAAAAAAAAAAAAAAAAAAAAAAAAAAAAAAAAAAAAAAAAAAAAAAAAAAAAAAAAAAAAAAAAAAAAAAAAAAAAAAAAAAAAAAFAAAADwAAAAAAAAAAAAAAAAAAAkUAAAAAQAAABQAAAAUAAAAFAAAAAEAAAAAAAAAZAAAAGQAAAAAAAAAZAAAAGQAAAAVAAAAYAAAAAAAAAAAAAAADwAAACADAAAAAAAAAAAAAAEAAACgMgAAVgcAAKr4//8BAAAAf39/AAEAAABkAAAAAAAAABQAAABAHwAAAAAAACYAAAAAAAAAwOD//wAAAAAmAAAAZAAAABYAAABMAAAAAAAAAAAAAAAEAAAAAAAAAAEAAADn5uYKAAAAACgAAAAoAAAAZAAAAGQAAAAAAAAAzMzMAAAAAABQAAAAUAAAAGQAAABkAAAAAAAAAAcAAAA4AAAAAAAAAAAAAAAAAAAA////AAAAAAAAAAAAAAAAAAAAAAAAAAAAAAAAAAAAAABkAAAAZAAAAAAAAAAjAAAABAAAAGQAAAAXAAAAFAAAAAAAAAAAAAAA/38AAP9/AAAAAAAACQAAAAQAAAD/////HgAAAGgAAAAAAAAAAAAAAAAAAAAAAAAAAAAAABAnAAAQJwAAAAAAAAAAAAAAAAAAAAAAAAAAAAAAAAAAAAAAAAAAAAAUAAAAAAAAAMDA/wAAAAAAZAAAADIAAAAAAAAAZAAAAAAAAAB/f38ACgAAACIAAAAYAAAAAAAAAAAAAAAAAAAAAAAAAAAAAAAAAAAAJAAAACQAAAAAAAAABwAAAAAAAAAAAAAAAAAAAAAAAAAAAAAAAAAAAH9/fwAlAAAAWAAAAAAAAAAAAAAAAAAAAAAAAAAAAAAAAAAAAAAAAAAAAAAAAAAAAAAAAAAAAAAAPwAAAAAAAACghgEAAAAAAAAAAAAAAAAADAAAAAEAAAAAAAAAAAAAAAAAAAAfAAAAVAAAAERyxAX///8BAAAAAAAAAAAAAAAAAAAAAAAAAAAAAAAAAAAAAAAAAAAAAAACf39/AOfm5gPMzMwAwMD/AH9/fwAAAAAAAAAAAAAAAAD///8AAAAAACEAAAAYAAAAFAAAAJYDAABTBgAAOiMAAFEmAAAQAAAAJgAAAAgAAAD//////////zAAAAAUAAAAAAAAAAAA//8AAAEAAAD//wAAAQA="/>
-              </a:ext>
-            </a:extLst>
-          </p:cNvPicPr>
-          <p:nvPr/>
-        </p:nvPicPr>
-        <p:blipFill>
-          <a:blip r:embed="rId2"/>
-          <a:stretch>
-            <a:fillRect/>
-          </a:stretch>
-        </p:blipFill>
-        <p:spPr>
-          <a:xfrm>
-            <a:off x="582930" y="1028065"/>
-            <a:ext cx="5143500" cy="5200650"/>
-          </a:xfrm>
-          <a:prstGeom prst="rect">
-            <a:avLst/>
-          </a:prstGeom>
-          <a:noFill/>
-          <a:ln>
-            <a:noFill/>
-          </a:ln>
-          <a:effectLst/>
-        </p:spPr>
-      </p:pic>
-    </p:spTree>
-  </p:cSld>
-  <p:clrMapOvr>
-    <a:masterClrMapping/>
-  </p:clrMapOvr>
-  <p:timing>
-    <p:tnLst>
-      <p:par>
-        <p:cTn id="1" dur="indefinite" restart="never" nodeType="tmRoot"/>
-      </p:par>
-    </p:tnLst>
-  </p:timing>
-</p:sld>
-</file>
-
-<file path=ppt/slides/slide9.xml><?xml version="1.0" encoding="utf-8"?>
-<p:sld xmlns:p="http://schemas.openxmlformats.org/presentationml/2006/main" xmlns:mc="http://schemas.openxmlformats.org/markup-compatibility/2006" xmlns:p14="http://schemas.microsoft.com/office/powerpoint/2010/main" xmlns:p15="http://schemas.microsoft.com/office/powerpoint/2012/main" xmlns:r="http://schemas.openxmlformats.org/officeDocument/2006/relationships" xmlns:a="http://schemas.openxmlformats.org/drawingml/2006/main" mc:Ignorable="p14">
-  <p:cSld>
-    <p:spTree>
-      <p:nvGrpSpPr>
-        <p:cNvPr id="1" name=""/>
-        <p:cNvGrpSpPr/>
-        <p:nvPr/>
-      </p:nvGrpSpPr>
-      <p:grpSpPr>
-        <a:xfrm>
-          <a:off x="0" y="0"/>
-          <a:ext cx="0" cy="0"/>
-          <a:chOff x="0" y="0"/>
-          <a:chExt cx="0" cy="0"/>
-        </a:xfrm>
-      </p:grpSpPr>
-      <p:sp>
-        <p:nvSpPr>
-          <p:cNvPr id="2" name="Заголовок 1"/>
-          <p:cNvSpPr>
-            <a:spLocks noGrp="1" noChangeArrowheads="1"/>
-            <a:extLst>
-              <a:ext uri="smNativeData">
-                <pr:smNativeData xmlns:pr="smNativeData" xmlns="smNativeData" val="SMDATA_16_xzE7ZxMAAAAlAAAAZAAAAA0AAAAAkAAAAEgAAACQAAAASAAAAAAAAAABAAAAAAAAAAEAAABQAAAAAAAAAAAA4D8AAAAAAADgPwAAAAAAAOA/AAAAAAAA4D8AAAAAAADgPwAAAAAAAOA/AAAAAAAA4D8AAAAAAADgPwAAAAAAAOA/AAAAAAAA4D8CAAAAjAAAAAAAAAAAAAAARHLEDP///wgAAAAAAAAAAAAAAAAAAAAAAAAAAAAAAAAAAAAAZAAAAAEAAABAAAAAAAAAAAAAAAAAAAAAAAAAAAAAAAAAAAAAAAAAAAAAAAAAAAAAAAAAAAAAAAAAAAAAAAAAAAAAAAAAAAAAAAAAAAAAAAAAAAAAAAAAAAAAAAAAAAAAFAAAADwAAAAAAAAAAAAAAAAAAAkUAAAAAQAAABQAAAAUAAAAFAAAAAEAAAAAAAAAZAAAAGQAAAAAAAAAZAAAAGQAAAAVAAAAYAAAAAAAAAAAAAAADwAAACADAAAAAAAAAAAAAAEAAACgMgAAVgcAAKr4//8BAAAAf39/AAEAAABkAAAAAAAAABQAAABAHwAAAAAAACYAAAAAAAAAwOD//wAAAAAmAAAAZAAAABYAAABMAAAAAAAAAAAAAAAEAAAAAAAAAAEAAADn5uYKAAAAACgAAAAoAAAAZAAAAGQAAAAAAAAAzMzMAAAAAABQAAAAUAAAAGQAAABkAAAAAAAAABcAAAAUAAAAAAAAAAAAAAD/fwAA/38AAAAAAAAJAAAABAAAAAAAAAAeAAAAaAAAAAAAAAAAAAAAAAAAAAAAAAAAAAAAECcAABAnAAAAAAAAAAAAAAAAAAAAAAAAAAAAAAAAAAAAAAAAAAAAABQAAAAAAAAAwMD/AAAAAABkAAAAMgAAAAAAAABkAAAAAAAAAH9/fwAKAAAAIgAAABgAAAAAAAAAAAAAAAAAAAAAAAAAAAAAAAAAAAAkAAAAJAAAAAAAAAAHAAAAAAAAAAAAAAAAAAAAAAAAAAAAAAAAAAAAf39/ACUAAABYAAAAAAAAAAAAAAAAAAAAAAAAAAAAAAAAAAAAAAAAAAAAAAAAAAAAAAAAAAAAAAA/AAAAAAAAAKCGAQAAAAAAAAAAAAAAAAAMAAAAAQAAAAAAAAAAAAAAAAAAAB8AAABUAAAARHLEBf///wEAAAAAAAAAAAAAAAAAAAAAAAAAAAAAAAAAAAAAAAAAAAAAAAJ/f38A5+bmA8zMzADAwP8Af39/AAAAAAAAAAAAAAAAAAAAAAAAAAAAIQAAABgAAAAUAAAAKAUAAD8CAADYRQAAZwoAABAAAAAmAAAACAAAAAAAAAAAAAAAMAAAABQAAAAAAAAAAAD//wAAAQAAAP//AAABAA=="/>
-              </a:ext>
-            </a:extLst>
-          </p:cNvSpPr>
-          <p:nvPr>
-            <p:ph type="title"/>
-          </p:nvPr>
-        </p:nvSpPr>
-        <p:spPr/>
-        <p:txBody>
-          <a:bodyPr/>
-          <a:lstStyle/>
-          <a:p>
-            <a:pPr>
-              <a:defRPr lang="ru-ru"/>
-            </a:pPr>
-            <a:r>
-              <a:t>res</a:t>
-            </a:r>
-          </a:p>
-        </p:txBody>
-      </p:sp>
-      <p:sp>
-        <p:nvSpPr>
-          <p:cNvPr id="3" name="Объект 2"/>
-          <p:cNvSpPr>
-            <a:spLocks noGrp="1" noChangeArrowheads="1"/>
-            <a:extLst>
-              <a:ext uri="smNativeData">
-                <pr:smNativeData xmlns:pr="smNativeData" xmlns="smNativeData" val="SMDATA_16_xzE7ZxMAAAAlAAAAZAAAAA0AAAAAkAAAAEgAAACQAAAASAAAAAAAAAAAAAAAAAAAAAEAAABQAAAAAAAAAAAA4D8AAAAAAADgPwAAAAAAAOA/AAAAAAAA4D8AAAAAAADgPwAAAAAAAOA/AAAAAAAA4D8AAAAAAADgPwAAAAAAAOA/AAAAAAAA4D8CAAAAjAAAAAAAAAAAAAAARHLEDP///wgAAAAAAAAAAAAAAAAAAAAAAAAAAAAAAAAAAAAAZAAAAAEAAABAAAAAAAAAAAAAAAAAAAAAAAAAAAAAAAAAAAAAAAAAAAAAAAAAAAAAAAAAAAAAAAAAAAAAAAAAAAAAAAAAAAAAAAAAAAAAAAAAAAAAAAAAAAAAAAAAAAAAFAAAADwAAAAAAAAAAAAAAAAAAAkUAAAAAQAAABQAAAAUAAAAFAAAAAEAAAAAAAAAZAAAAGQAAAAAAAAAZAAAAGQAAAAVAAAAYAAAAAAAAAAAAAAADwAAACADAAAAAAAAAAAAAAEAAACgMgAAVgcAAKr4//8BAAAAf39/AAEAAABkAAAAAAAAABQAAABAHwAAAAAAACYAAAAAAAAAwOD//wAAAAAmAAAAZAAAABYAAABMAAAAAAAAAAAAAAAEAAAAAAAAAAEAAADn5uYKAAAAACgAAAAoAAAAZAAAAGQAAAAAAAAAzMzMAAAAAABQAAAAUAAAAGQAAABkAAAAAAAAABcAAAAUAAAAAAAAAAAAAAD/fwAA/38AAAAAAAAJAAAABAAAAAAAAAAeAAAAaAAAAAAAAAAAAAAAAAAAAAAAAAAAAAAAECcAABAnAAAAAAAAAAAAAAAAAAAAAAAAAAAAAAAAAAAAAAAAAAAAABQAAAAAAAAAwMD/AAAAAABkAAAAMgAAAAAAAABkAAAAAAAAAH9/fwAKAAAAIgAAABgAAAAAAAAAAAAAAAAAAAAAAAAAAAAAAAAAAAAkAAAAJAAAAAAAAAAHAAAAAAAAAAAAAAAAAAAAAAAAAAAAAAAAAAAAf39/ACUAAABYAAAAAAAAAAAAAAAAAAAAAAAAAAAAAAAAAAAAAAAAAAAAAAAAAAAAAAAAAAAAAAA/AAAAAAAAAKCGAQAAAAAAAAAAAAAAAAAMAAAAAQAAAAAAAAAAAAAAAAAAAB8AAABUAAAARHLEBf///wEAAAAAAAAAAAAAAAAAAAAAAAAAAAAAAAAAAAAAAAAAAAAAAAJ/f38A5+bmA8zMzADAwP8Af39/AAAAAAAAAAAAAAAAAAAAAAAAAAAAIQAAABgAAAAUAAAAKAUAADsLAADYRQAAACYAABAAAAAmAAAACAAAAAAAAAAAAAAAMAAAABQAAAAAAAAAAAD//wAAAQAAAP//AAABAA=="/>
-              </a:ext>
-            </a:extLst>
-          </p:cNvSpPr>
-          <p:nvPr>
-            <p:ph type="body" idx="1"/>
-          </p:nvPr>
-        </p:nvSpPr>
-        <p:spPr/>
-        <p:txBody>
-          <a:bodyPr/>
-          <a:lstStyle/>
-          <a:p>
-            <a:pPr>
-              <a:defRPr lang="ru-ru"/>
-            </a:pPr>
+            <a:endParaRPr/>
           </a:p>
         </p:txBody>
       </p:sp>
@@ -6960,7 +6424,7 @@
             <a:picLocks noChangeAspect="1"/>
             <a:extLst>
               <a:ext uri="smNativeData">
-                <pr:smNativeData xmlns:pr="smNativeData" xmlns="smNativeData" val="SMDATA_18_xzE7ZxMAAAAlAAAAEQAAAC0AAAAAkAAAAEgAAACQAAAASAAAAAAAAAAAAAAAAAAAAAEAAABQAAAAAAAAAAAA4D8AAAAAAADgPwAAAAAAAOA/AAAAAAAA4D8AAAAAAADgPwAAAAAAAOA/AAAAAAAA4D8AAAAAAADgPwAAAAAAAOA/AAAAAAAA4D8CAAAAjAAAAAAAAAAAAAAARHLEDP///wgAAAAAAAAAAAAAAAAAAAAAAAAAAAAAAAAAAAAAZAAAAAEAAABAAAAAAAAAAAAAAAAAAAAAAAAAAAAAAAAAAAAAAAAAAAAAAAAAAAAAAAAAAAAAAAAAAAAAAAAAAAAAAAAAAAAAAAAAAAAAAAAAAAAAAAAAAAAAAAAAAAAAFAAAADwAAAAAAAAAAAAAAAAAAAkUAAAAAQAAABQAAAAUAAAAFAAAAAEAAAAAAAAAZAAAAGQAAAAAAAAAZAAAAGQAAAAVAAAAYAAAAAAAAAAAAAAADwAAACADAAAAAAAAAAAAAAEAAACgMgAAVgcAAKr4//8BAAAAf39/AAEAAABkAAAAAAAAABQAAABAHwAAAAAAACYAAAAAAAAAwOD//wAAAAAmAAAAZAAAABYAAABMAAAAAAAAAAAAAAAEAAAAAAAAAAEAAADn5uYKAAAAACgAAAAoAAAAZAAAAGQAAAAAAAAAzMzMAAAAAABQAAAAUAAAAGQAAABkAAAAAAAAAAcAAAA4AAAAAAAAAAAAAAAAAAAA////AAAAAAAAAAAAAAAAAAAAAAAAAAAAAAAAAAAAAABkAAAAZAAAAAAAAAAjAAAABAAAAGQAAAAXAAAAFAAAAAAAAAAAAAAA/38AAP9/AAAAAAAACQAAAAQAAAD/////HgAAAGgAAAAAAAAAAAAAAAAAAAAAAAAAAAAAABAnAAAQJwAAAAAAAAAAAAAAAAAAAAAAAAAAAAAAAAAAAAAAAAAAAAAUAAAAAAAAAMDA/wAAAAAAZAAAADIAAAAAAAAAZAAAAAAAAAB/f38ACgAAACIAAAAYAAAAAAAAAAAAAAAAAAAAAAAAAAAAAAAAAAAAJAAAACQAAAAAAAAABwAAAAAAAAAAAAAAAAAAAAAAAAAAAAAAAAAAAH9/fwAlAAAAWAAAAAAAAAAAAAAAAAAAAAAAAAAAAAAAAAAAAAAAAAAAAAAAAAAAAAAAAAAAAAAAPwAAAAAAAACghgEAAAAAAAAAAAAAAAAADAAAAAEAAAAAAAAAAAAAAAAAAAAfAAAAVAAAAERyxAX///8BAAAAAAAAAAAAAAAAAAAAAAAAAAAAAAAAAAAAAAAAAAAAAAACf39/AOfm5gPMzMwAwMD/AH9/fwAAAAAAAAAAAAAAAAD///8AAAAAACEAAAAYAAAAFAAAAPMrAAAYFQAAw0YAANQmAAAQAAAAJgAAAAgAAAD//////////zAAAAAUAAAAAAAAAAAA//8AAAEAAAD//wAAAQA="/>
+                <pr:smNativeData xmlns:mc="http://schemas.openxmlformats.org/markup-compatibility/2006" xmlns:p14="http://schemas.microsoft.com/office/powerpoint/2010/main" xmlns:p15="http://schemas.microsoft.com/office/powerpoint/2012/main" xmlns:pr="smNativeData" xmlns="smNativeData" val="SMDATA_18_xzE7ZxMAAAAlAAAAEQAAAC0AAAAAkAAAAEgAAACQAAAASAAAAAAAAAAAAAAAAAAAAAEAAABQAAAAAAAAAAAA4D8AAAAAAADgPwAAAAAAAOA/AAAAAAAA4D8AAAAAAADgPwAAAAAAAOA/AAAAAAAA4D8AAAAAAADgPwAAAAAAAOA/AAAAAAAA4D8CAAAAjAAAAAAAAAAAAAAARHLEDP///wgAAAAAAAAAAAAAAAAAAAAAAAAAAAAAAAAAAAAAZAAAAAEAAABAAAAAAAAAAAAAAAAAAAAAAAAAAAAAAAAAAAAAAAAAAAAAAAAAAAAAAAAAAAAAAAAAAAAAAAAAAAAAAAAAAAAAAAAAAAAAAAAAAAAAAAAAAAAAAAAAAAAAFAAAADwAAAAAAAAAAAAAAAAAAAkUAAAAAQAAABQAAAAUAAAAFAAAAAEAAAAAAAAAZAAAAGQAAAAAAAAAZAAAAGQAAAAVAAAAYAAAAAAAAAAAAAAADwAAACADAAAAAAAAAAAAAAEAAACgMgAAVgcAAKr4//8BAAAAf39/AAEAAABkAAAAAAAAABQAAABAHwAAAAAAACYAAAAAAAAAwOD//wAAAAAmAAAAZAAAABYAAABMAAAAAAAAAAAAAAAEAAAAAAAAAAEAAADn5uYKAAAAACgAAAAoAAAAZAAAAGQAAAAAAAAAzMzMAAAAAABQAAAAUAAAAGQAAABkAAAAAAAAAAcAAAA4AAAAAAAAAAAAAAAAAAAA////AAAAAAAAAAAAAAAAAAAAAAAAAAAAAAAAAAAAAABkAAAAZAAAAAAAAAAjAAAABAAAAGQAAAAXAAAAFAAAAAAAAAAAAAAA/38AAP9/AAAAAAAACQAAAAQAAAD/////HgAAAGgAAAAAAAAAAAAAAAAAAAAAAAAAAAAAABAnAAAQJwAAAAAAAAAAAAAAAAAAAAAAAAAAAAAAAAAAAAAAAAAAAAAUAAAAAAAAAMDA/wAAAAAAZAAAADIAAAAAAAAAZAAAAAAAAAB/f38ACgAAACIAAAAYAAAAAAAAAAAAAAAAAAAAAAAAAAAAAAAAAAAAJAAAACQAAAAAAAAABwAAAAAAAAAAAAAAAAAAAAAAAAAAAAAAAAAAAH9/fwAlAAAAWAAAAAAAAAAAAAAAAAAAAAAAAAAAAAAAAAAAAAAAAAAAAAAAAAAAAAAAAAAAAAAAPwAAAAAAAACghgEAAAAAAAAAAAAAAAAADAAAAAEAAAAAAAAAAAAAAAAAAAAfAAAAVAAAAERyxAX///8BAAAAAAAAAAAAAAAAAAAAAAAAAAAAAAAAAAAAAAAAAAAAAAACf39/AOfm5gPMzMwAwMD/AH9/fwAAAAAAAAAAAAAAAAD///8AAAAAACEAAAAYAAAAFAAAAPMrAAAYFQAAw0YAANQmAAAQAAAAJgAAAAgAAAD//////////zAAAAAUAAAAAAAAAAAA//8AAAEAAAD//wAAAQA="/>
               </a:ext>
             </a:extLst>
           </p:cNvPicPr>
@@ -6994,7 +6458,7 @@
             <a:picLocks noChangeAspect="1"/>
             <a:extLst>
               <a:ext uri="smNativeData">
-                <pr:smNativeData xmlns:pr="smNativeData" xmlns="smNativeData" val="SMDATA_18_xzE7ZxMAAAAlAAAAEQAAAC0AAAAAkAAAAEgAAACQAAAASAAAAAAAAAAAAAAAAAAAAAEAAABQAAAAAAAAAAAA4D8AAAAAAADgPwAAAAAAAOA/AAAAAAAA4D8AAAAAAADgPwAAAAAAAOA/AAAAAAAA4D8AAAAAAADgPwAAAAAAAOA/AAAAAAAA4D8CAAAAjAAAAAAAAAAAAAAARHLEDP///wgAAAAAAAAAAAAAAAAAAAAAAAAAAAAAAAAAAAAAZAAAAAEAAABAAAAAAAAAAAAAAAAAAAAAAAAAAAAAAAAAAAAAAAAAAAAAAAAAAAAAAAAAAAAAAAAAAAAAAAAAAAAAAAAAAAAAAAAAAAAAAAAAAAAAAAAAAAAAAAAAAAAAFAAAADwAAAAAAAAAAAAAAAAAAAkUAAAAAQAAABQAAAAUAAAAFAAAAAEAAAAAAAAAZAAAAGQAAAAAAAAAZAAAAGQAAAAVAAAAYAAAAAAAAAAAAAAADwAAACADAAAAAAAAAAAAAAEAAACgMgAAVgcAAKr4//8BAAAAf39/AAEAAABkAAAAAAAAABQAAABAHwAAAAAAACYAAAAAAAAAwOD//wAAAAAmAAAAZAAAABYAAABMAAAAAAAAAAAAAAAEAAAAAAAAAAEAAADn5uYKAAAAACgAAAAoAAAAZAAAAGQAAAAAAAAAzMzMAAAAAABQAAAAUAAAAGQAAABkAAAAAAAAAAcAAAA4AAAAAAAAAAAAAAAAAAAA////AAAAAAAAAAAAAAAAAAAAAAAAAAAAAAAAAAAAAABkAAAAZAAAAAAAAAAjAAAABAAAAGQAAAAXAAAAFAAAAAAAAAAAAAAA/38AAP9/AAAAAAAACQAAAAQAAAD/////HgAAAGgAAAAAAAAAAAAAAAAAAAAAAAAAAAAAABAnAAAQJwAAAAAAAAAAAAAAAAAAAAAAAAAAAAAAAAAAAAAAAAAAAAAUAAAAAAAAAMDA/wAAAAAAZAAAADIAAAAAAAAAZAAAAAAAAAB/f38ACgAAACIAAAAYAAAAAAAAAAAAAAAAAAAAAAAAAAAAAAAAAAAAJAAAACQAAAAAAAAABwAAAAAAAAAAAAAAAAAAAAAAAAAAAAAAAAAAAH9/fwAlAAAAWAAAAAAAAAAAAAAAAAAAAAAAAAAAAAAAAAAAAAAAAAAAAAAAAAAAAAAAAAAAAAAAPwAAAAAAAACghgEAAAAAAAAAAAAAAAAADAAAAAEAAAAAAAAAAAAAAAAAAAAfAAAAVAAAAERyxAX///8BAAAAAAAAAAAAAAAAAAAAAAAAAAAAAAAAAAAAAAAAAAAAAAACf39/AOfm5gPMzMwAwMD/AH9/fwAAAAAAAAAAAAAAAAD///8AAAAAACEAAAAYAAAAFAAAAEkCAACQDwAAMygAAAMpAAAQAAAAJgAAAAgAAAD//////////zAAAAAUAAAAAAAAAAAA//8AAAEAAAD//wAAAQA="/>
+                <pr:smNativeData xmlns:mc="http://schemas.openxmlformats.org/markup-compatibility/2006" xmlns:p14="http://schemas.microsoft.com/office/powerpoint/2010/main" xmlns:p15="http://schemas.microsoft.com/office/powerpoint/2012/main" xmlns:pr="smNativeData" xmlns="smNativeData" val="SMDATA_18_xzE7ZxMAAAAlAAAAEQAAAC0AAAAAkAAAAEgAAACQAAAASAAAAAAAAAAAAAAAAAAAAAEAAABQAAAAAAAAAAAA4D8AAAAAAADgPwAAAAAAAOA/AAAAAAAA4D8AAAAAAADgPwAAAAAAAOA/AAAAAAAA4D8AAAAAAADgPwAAAAAAAOA/AAAAAAAA4D8CAAAAjAAAAAAAAAAAAAAARHLEDP///wgAAAAAAAAAAAAAAAAAAAAAAAAAAAAAAAAAAAAAZAAAAAEAAABAAAAAAAAAAAAAAAAAAAAAAAAAAAAAAAAAAAAAAAAAAAAAAAAAAAAAAAAAAAAAAAAAAAAAAAAAAAAAAAAAAAAAAAAAAAAAAAAAAAAAAAAAAAAAAAAAAAAAFAAAADwAAAAAAAAAAAAAAAAAAAkUAAAAAQAAABQAAAAUAAAAFAAAAAEAAAAAAAAAZAAAAGQAAAAAAAAAZAAAAGQAAAAVAAAAYAAAAAAAAAAAAAAADwAAACADAAAAAAAAAAAAAAEAAACgMgAAVgcAAKr4//8BAAAAf39/AAEAAABkAAAAAAAAABQAAABAHwAAAAAAACYAAAAAAAAAwOD//wAAAAAmAAAAZAAAABYAAABMAAAAAAAAAAAAAAAEAAAAAAAAAAEAAADn5uYKAAAAACgAAAAoAAAAZAAAAGQAAAAAAAAAzMzMAAAAAABQAAAAUAAAAGQAAABkAAAAAAAAAAcAAAA4AAAAAAAAAAAAAAAAAAAA////AAAAAAAAAAAAAAAAAAAAAAAAAAAAAAAAAAAAAABkAAAAZAAAAAAAAAAjAAAABAAAAGQAAAAXAAAAFAAAAAAAAAAAAAAA/38AAP9/AAAAAAAACQAAAAQAAAD/////HgAAAGgAAAAAAAAAAAAAAAAAAAAAAAAAAAAAABAnAAAQJwAAAAAAAAAAAAAAAAAAAAAAAAAAAAAAAAAAAAAAAAAAAAAUAAAAAAAAAMDA/wAAAAAAZAAAADIAAAAAAAAAZAAAAAAAAAB/f38ACgAAACIAAAAYAAAAAAAAAAAAAAAAAAAAAAAAAAAAAAAAAAAAJAAAACQAAAAAAAAABwAAAAAAAAAAAAAAAAAAAAAAAAAAAAAAAAAAAH9/fwAlAAAAWAAAAAAAAAAAAAAAAAAAAAAAAAAAAAAAAAAAAAAAAAAAAAAAAAAAAAAAAAAAAAAAPwAAAAAAAACghgEAAAAAAAAAAAAAAAAADAAAAAEAAAAAAAAAAAAAAAAAAAAfAAAAVAAAAERyxAX///8BAAAAAAAAAAAAAAAAAAAAAAAAAAAAAAAAAAAAAAAAAAAAAAACf39/AOfm5gPMzMwAwMD/AH9/fwAAAAAAAAAAAAAAAAD///8AAAAAACEAAAAYAAAAFAAAAEkCAACQDwAAMygAAAMpAAAQAAAAJgAAAAgAAAD//////////zAAAAAUAAAAAAAAAAAA//8AAAEAAAD//wAAAQA="/>
               </a:ext>
             </a:extLst>
           </p:cNvPicPr>
@@ -7010,6 +6474,294 @@
           <a:xfrm>
             <a:off x="371475" y="2529840"/>
             <a:ext cx="6163310" cy="4137025"/>
+          </a:xfrm>
+          <a:prstGeom prst="rect">
+            <a:avLst/>
+          </a:prstGeom>
+          <a:noFill/>
+          <a:ln>
+            <a:noFill/>
+          </a:ln>
+          <a:effectLst/>
+        </p:spPr>
+      </p:pic>
+    </p:spTree>
+  </p:cSld>
+  <p:clrMapOvr>
+    <a:masterClrMapping/>
+  </p:clrMapOvr>
+  <p:timing>
+    <p:tnLst>
+      <p:par>
+        <p:cTn id="1" dur="indefinite" restart="never" nodeType="tmRoot"/>
+      </p:par>
+    </p:tnLst>
+  </p:timing>
+</p:sld>
+</file>
+
+<file path=ppt/slides/slide8.xml><?xml version="1.0" encoding="utf-8"?>
+<p:sld xmlns:a="http://schemas.openxmlformats.org/drawingml/2006/main" xmlns:r="http://schemas.openxmlformats.org/officeDocument/2006/relationships" xmlns:p="http://schemas.openxmlformats.org/presentationml/2006/main">
+  <p:cSld>
+    <p:spTree>
+      <p:nvGrpSpPr>
+        <p:cNvPr id="1" name=""/>
+        <p:cNvGrpSpPr/>
+        <p:nvPr/>
+      </p:nvGrpSpPr>
+      <p:grpSpPr>
+        <a:xfrm>
+          <a:off x="0" y="0"/>
+          <a:ext cx="0" cy="0"/>
+          <a:chOff x="0" y="0"/>
+          <a:chExt cx="0" cy="0"/>
+        </a:xfrm>
+      </p:grpSpPr>
+      <p:sp>
+        <p:nvSpPr>
+          <p:cNvPr id="2" name="Заголовок 1"/>
+          <p:cNvSpPr>
+            <a:spLocks noGrp="1" noChangeArrowheads="1"/>
+            <a:extLst>
+              <a:ext uri="smNativeData">
+                <pr:smNativeData xmlns:mc="http://schemas.openxmlformats.org/markup-compatibility/2006" xmlns:p14="http://schemas.microsoft.com/office/powerpoint/2010/main" xmlns:p15="http://schemas.microsoft.com/office/powerpoint/2012/main" xmlns:pr="smNativeData" xmlns="smNativeData" val="SMDATA_16_xzE7ZxMAAAAlAAAAZAAAAA0AAAAAkAAAAEgAAACQAAAASAAAAAAAAAABAAAAAAAAAAEAAABQAAAAAAAAAAAA4D8AAAAAAADgPwAAAAAAAOA/AAAAAAAA4D8AAAAAAADgPwAAAAAAAOA/AAAAAAAA4D8AAAAAAADgPwAAAAAAAOA/AAAAAAAA4D8CAAAAjAAAAAAAAAAAAAAARHLEDP///wgAAAAAAAAAAAAAAAAAAAAAAAAAAAAAAAAAAAAAZAAAAAEAAABAAAAAAAAAAAAAAAAAAAAAAAAAAAAAAAAAAAAAAAAAAAAAAAAAAAAAAAAAAAAAAAAAAAAAAAAAAAAAAAAAAAAAAAAAAAAAAAAAAAAAAAAAAAAAAAAAAAAAFAAAADwAAAAAAAAAAAAAAAAAAAkUAAAAAQAAABQAAAAUAAAAFAAAAAEAAAAAAAAAZAAAAGQAAAAAAAAAZAAAAGQAAAAVAAAAYAAAAAAAAAAAAAAADwAAACADAAAAAAAAAAAAAAEAAACgMgAAVgcAAKr4//8BAAAAf39/AAEAAABkAAAAAAAAABQAAABAHwAAAAAAACYAAAAAAAAAwOD//wAAAAAmAAAAZAAAABYAAABMAAAAAAAAAAAAAAAEAAAAAAAAAAEAAADn5uYKAAAAACgAAAAoAAAAZAAAAGQAAAAAAAAAzMzMAAAAAABQAAAAUAAAAGQAAABkAAAAAAAAABcAAAAUAAAAAAAAAAAAAAD/fwAA/38AAAAAAAAJAAAABAAAAAAAAAAeAAAAaAAAAAAAAAAAAAAAAAAAAAAAAAAAAAAAECcAABAnAAAAAAAAAAAAAAAAAAAAAAAAAAAAAAAAAAAAAAAAAAAAABQAAAAAAAAAwMD/AAAAAABkAAAAMgAAAAAAAABkAAAAAAAAAH9/fwAKAAAAIgAAABgAAAAAAAAAAAAAAAAAAAAAAAAAAAAAAAAAAAAkAAAAJAAAAAAAAAAHAAAAAAAAAAAAAAAAAAAAAAAAAAAAAAAAAAAAf39/ACUAAABYAAAAAAAAAAAAAAAAAAAAAAAAAAAAAAAAAAAAAAAAAAAAAAAAAAAAAAAAAAAAAAA/AAAAAAAAAKCGAQAAAAAAAAAAAAAAAAAMAAAAAQAAAAAAAAAAAAAAAAAAAB8AAABUAAAARHLEBf///wEAAAAAAAAAAAAAAAAAAAAAAAAAAAAAAAAAAAAAAAAAAAAAAAJ/f38A5+bmA8zMzADAwP8Af39/AAAAAAAAAAAAAAAAAAAAAAAAAAAAIQAAABgAAAAUAAAAKAUAAD8CAADYRQAAZwoAABAAAAAmAAAACAAAAAAAAAAAAAAAMAAAABQAAAAAAAAAAAD//wAAAQAAAP//AAABAA=="/>
+              </a:ext>
+            </a:extLst>
+          </p:cNvSpPr>
+          <p:nvPr>
+            <p:ph type="title"/>
+          </p:nvPr>
+        </p:nvSpPr>
+        <p:spPr/>
+        <p:txBody>
+          <a:bodyPr/>
+          <a:lstStyle/>
+          <a:p>
+            <a:pPr>
+              <a:defRPr lang="ru-ru"/>
+            </a:pPr>
+            <a:endParaRPr/>
+          </a:p>
+        </p:txBody>
+      </p:sp>
+      <p:sp>
+        <p:nvSpPr>
+          <p:cNvPr id="3" name="Объект 2"/>
+          <p:cNvSpPr>
+            <a:spLocks noGrp="1" noChangeArrowheads="1"/>
+            <a:extLst>
+              <a:ext uri="smNativeData">
+                <pr:smNativeData xmlns:mc="http://schemas.openxmlformats.org/markup-compatibility/2006" xmlns:p14="http://schemas.microsoft.com/office/powerpoint/2010/main" xmlns:p15="http://schemas.microsoft.com/office/powerpoint/2012/main" xmlns:pr="smNativeData" xmlns="smNativeData" val="SMDATA_16_xzE7ZxMAAAAlAAAAZAAAAA0AAAAAkAAAAEgAAACQAAAASAAAAAAAAAAAAAAAAAAAAAEAAABQAAAAAAAAAAAA4D8AAAAAAADgPwAAAAAAAOA/AAAAAAAA4D8AAAAAAADgPwAAAAAAAOA/AAAAAAAA4D8AAAAAAADgPwAAAAAAAOA/AAAAAAAA4D8CAAAAjAAAAAAAAAAAAAAARHLEDP///wgAAAAAAAAAAAAAAAAAAAAAAAAAAAAAAAAAAAAAZAAAAAEAAABAAAAAAAAAAAAAAAAAAAAAAAAAAAAAAAAAAAAAAAAAAAAAAAAAAAAAAAAAAAAAAAAAAAAAAAAAAAAAAAAAAAAAAAAAAAAAAAAAAAAAAAAAAAAAAAAAAAAAFAAAADwAAAAAAAAAAAAAAAAAAAkUAAAAAQAAABQAAAAUAAAAFAAAAAEAAAAAAAAAZAAAAGQAAAAAAAAAZAAAAGQAAAAVAAAAYAAAAAAAAAAAAAAADwAAACADAAAAAAAAAAAAAAEAAACgMgAAVgcAAKr4//8BAAAAf39/AAEAAABkAAAAAAAAABQAAABAHwAAAAAAACYAAAAAAAAAwOD//wAAAAAmAAAAZAAAABYAAABMAAAAAAAAAAAAAAAEAAAAAAAAAAEAAADn5uYKAAAAACgAAAAoAAAAZAAAAGQAAAAAAAAAzMzMAAAAAABQAAAAUAAAAGQAAABkAAAAAAAAABcAAAAUAAAAAAAAAAAAAAD/fwAA/38AAAAAAAAJAAAABAAAAAAAAAAeAAAAaAAAAAAAAAAAAAAAAAAAAAAAAAAAAAAAECcAABAnAAAAAAAAAAAAAAAAAAAAAAAAAAAAAAAAAAAAAAAAAAAAABQAAAAAAAAAwMD/AAAAAABkAAAAMgAAAAAAAABkAAAAAAAAAH9/fwAKAAAAIgAAABgAAAAAAAAAAAAAAAAAAAAAAAAAAAAAAAAAAAAkAAAAJAAAAAAAAAAHAAAAAAAAAAAAAAAAAAAAAAAAAAAAAAAAAAAAf39/ACUAAABYAAAAAAAAAAAAAAAAAAAAAAAAAAAAAAAAAAAAAAAAAAAAAAAAAAAAAAAAAAAAAAA/AAAAAAAAAKCGAQAAAAAAAAAAAAAAAAAMAAAAAQAAAAAAAAAAAAAAAAAAAB8AAABUAAAARHLEBf///wEAAAAAAAAAAAAAAAAAAAAAAAAAAAAAAAAAAAAAAAAAAAAAAAJ/f38A5+bmA8zMzADAwP8Af39/AAAAAAAAAAAAAAAAAAAAAAAAAAAAIQAAABgAAAAUAAAAKAUAADsLAADYRQAAACYAABAAAAAmAAAACAAAAAAAAAAAAAAAMAAAABQAAAAAAAAAAAD//wAAAQAAAP//AAABAA=="/>
+              </a:ext>
+            </a:extLst>
+          </p:cNvSpPr>
+          <p:nvPr>
+            <p:ph type="body" idx="1"/>
+          </p:nvPr>
+        </p:nvSpPr>
+        <p:spPr/>
+        <p:txBody>
+          <a:bodyPr/>
+          <a:lstStyle/>
+          <a:p>
+            <a:pPr>
+              <a:defRPr lang="ru-ru"/>
+            </a:pPr>
+            <a:endParaRPr/>
+          </a:p>
+        </p:txBody>
+      </p:sp>
+      <p:pic>
+        <p:nvPicPr>
+          <p:cNvPr id="6" name="Рисунок 5"/>
+          <p:cNvPicPr>
+            <a:picLocks noChangeAspect="1"/>
+          </p:cNvPicPr>
+          <p:nvPr/>
+        </p:nvPicPr>
+        <p:blipFill>
+          <a:blip r:embed="rId2"/>
+          <a:stretch>
+            <a:fillRect/>
+          </a:stretch>
+        </p:blipFill>
+        <p:spPr>
+          <a:xfrm>
+            <a:off x="195210" y="539638"/>
+            <a:ext cx="5031883" cy="6171791"/>
+          </a:xfrm>
+          <a:prstGeom prst="rect">
+            <a:avLst/>
+          </a:prstGeom>
+        </p:spPr>
+      </p:pic>
+      <p:pic>
+        <p:nvPicPr>
+          <p:cNvPr id="7" name="Рисунок 6"/>
+          <p:cNvPicPr>
+            <a:picLocks noChangeAspect="1"/>
+          </p:cNvPicPr>
+          <p:nvPr/>
+        </p:nvPicPr>
+        <p:blipFill>
+          <a:blip r:embed="rId3"/>
+          <a:stretch>
+            <a:fillRect/>
+          </a:stretch>
+        </p:blipFill>
+        <p:spPr>
+          <a:xfrm>
+            <a:off x="5536088" y="689834"/>
+            <a:ext cx="4959042" cy="6168166"/>
+          </a:xfrm>
+          <a:prstGeom prst="rect">
+            <a:avLst/>
+          </a:prstGeom>
+        </p:spPr>
+      </p:pic>
+    </p:spTree>
+  </p:cSld>
+  <p:clrMapOvr>
+    <a:masterClrMapping/>
+  </p:clrMapOvr>
+  <p:timing>
+    <p:tnLst>
+      <p:par>
+        <p:cTn id="1" dur="indefinite" restart="never" nodeType="tmRoot"/>
+      </p:par>
+    </p:tnLst>
+  </p:timing>
+</p:sld>
+</file>
+
+<file path=ppt/slides/slide9.xml><?xml version="1.0" encoding="utf-8"?>
+<p:sld xmlns:a="http://schemas.openxmlformats.org/drawingml/2006/main" xmlns:r="http://schemas.openxmlformats.org/officeDocument/2006/relationships" xmlns:p="http://schemas.openxmlformats.org/presentationml/2006/main">
+  <p:cSld>
+    <p:spTree>
+      <p:nvGrpSpPr>
+        <p:cNvPr id="1" name=""/>
+        <p:cNvGrpSpPr/>
+        <p:nvPr/>
+      </p:nvGrpSpPr>
+      <p:grpSpPr>
+        <a:xfrm>
+          <a:off x="0" y="0"/>
+          <a:ext cx="0" cy="0"/>
+          <a:chOff x="0" y="0"/>
+          <a:chExt cx="0" cy="0"/>
+        </a:xfrm>
+      </p:grpSpPr>
+      <p:sp>
+        <p:nvSpPr>
+          <p:cNvPr id="2" name="Заголовок 1"/>
+          <p:cNvSpPr>
+            <a:spLocks noGrp="1" noChangeArrowheads="1"/>
+            <a:extLst>
+              <a:ext uri="smNativeData">
+                <pr:smNativeData xmlns:mc="http://schemas.openxmlformats.org/markup-compatibility/2006" xmlns:p14="http://schemas.microsoft.com/office/powerpoint/2010/main" xmlns:p15="http://schemas.microsoft.com/office/powerpoint/2012/main" xmlns:pr="smNativeData" xmlns="smNativeData" val="SMDATA_16_xzE7ZxMAAAAlAAAAZAAAAA0AAAAAkAAAAEgAAACQAAAASAAAAAAAAAABAAAAAAAAAAEAAABQAAAAAAAAAAAA4D8AAAAAAADgPwAAAAAAAOA/AAAAAAAA4D8AAAAAAADgPwAAAAAAAOA/AAAAAAAA4D8AAAAAAADgPwAAAAAAAOA/AAAAAAAA4D8CAAAAjAAAAAAAAAAAAAAARHLEDP///wgAAAAAAAAAAAAAAAAAAAAAAAAAAAAAAAAAAAAAZAAAAAEAAABAAAAAAAAAAAAAAAAAAAAAAAAAAAAAAAAAAAAAAAAAAAAAAAAAAAAAAAAAAAAAAAAAAAAAAAAAAAAAAAAAAAAAAAAAAAAAAAAAAAAAAAAAAAAAAAAAAAAAFAAAADwAAAAAAAAAAAAAAAAAAAkUAAAAAQAAABQAAAAUAAAAFAAAAAEAAAAAAAAAZAAAAGQAAAAAAAAAZAAAAGQAAAAVAAAAYAAAAAAAAAAAAAAADwAAACADAAAAAAAAAAAAAAEAAACgMgAAVgcAAKr4//8BAAAAf39/AAEAAABkAAAAAAAAABQAAABAHwAAAAAAACYAAAAAAAAAwOD//wAAAAAmAAAAZAAAABYAAABMAAAAAAAAAAAAAAAEAAAAAAAAAAEAAADn5uYKAAAAACgAAAAoAAAAZAAAAGQAAAAAAAAAzMzMAAAAAABQAAAAUAAAAGQAAABkAAAAAAAAABcAAAAUAAAAAAAAAAAAAAD/fwAA/38AAAAAAAAJAAAABAAAAAAAAAAeAAAAaAAAAAAAAAAAAAAAAAAAAAAAAAAAAAAAECcAABAnAAAAAAAAAAAAAAAAAAAAAAAAAAAAAAAAAAAAAAAAAAAAABQAAAAAAAAAwMD/AAAAAABkAAAAMgAAAAAAAABkAAAAAAAAAH9/fwAKAAAAIgAAABgAAAAAAAAAAAAAAAAAAAAAAAAAAAAAAAAAAAAkAAAAJAAAAAAAAAAHAAAAAAAAAAAAAAAAAAAAAAAAAAAAAAAAAAAAf39/ACUAAABYAAAAAAAAAAAAAAAAAAAAAAAAAAAAAAAAAAAAAAAAAAAAAAAAAAAAAAAAAAAAAAA/AAAAAAAAAKCGAQAAAAAAAAAAAAAAAAAMAAAAAQAAAAAAAAAAAAAAAAAAAB8AAABUAAAARHLEBf///wEAAAAAAAAAAAAAAAAAAAAAAAAAAAAAAAAAAAAAAAAAAAAAAAJ/f38A5+bmA8zMzADAwP8Af39/AAAAAAAAAAAAAAAAAAAAAAAAAAAAIQAAABgAAAAUAAAAKAUAAD8CAADYRQAAZwoAABAAAAAmAAAACAAAAAAAAAAAAAAAMAAAABQAAAAAAAAAAAD//wAAAQAAAP//AAABAA=="/>
+              </a:ext>
+            </a:extLst>
+          </p:cNvSpPr>
+          <p:nvPr>
+            <p:ph type="title"/>
+          </p:nvPr>
+        </p:nvSpPr>
+        <p:spPr/>
+        <p:txBody>
+          <a:bodyPr/>
+          <a:lstStyle/>
+          <a:p>
+            <a:pPr>
+              <a:defRPr lang="ru-ru"/>
+            </a:pPr>
+            <a:endParaRPr/>
+          </a:p>
+        </p:txBody>
+      </p:sp>
+      <p:sp>
+        <p:nvSpPr>
+          <p:cNvPr id="3" name="Объект 2"/>
+          <p:cNvSpPr>
+            <a:spLocks noGrp="1" noChangeArrowheads="1"/>
+            <a:extLst>
+              <a:ext uri="smNativeData">
+                <pr:smNativeData xmlns:mc="http://schemas.openxmlformats.org/markup-compatibility/2006" xmlns:p14="http://schemas.microsoft.com/office/powerpoint/2010/main" xmlns:p15="http://schemas.microsoft.com/office/powerpoint/2012/main" xmlns:pr="smNativeData" xmlns="smNativeData" val="SMDATA_16_xzE7ZxMAAAAlAAAAZAAAAA0AAAAAkAAAAEgAAACQAAAASAAAAAAAAAAAAAAAAAAAAAEAAABQAAAAAAAAAAAA4D8AAAAAAADgPwAAAAAAAOA/AAAAAAAA4D8AAAAAAADgPwAAAAAAAOA/AAAAAAAA4D8AAAAAAADgPwAAAAAAAOA/AAAAAAAA4D8CAAAAjAAAAAAAAAAAAAAARHLEDP///wgAAAAAAAAAAAAAAAAAAAAAAAAAAAAAAAAAAAAAZAAAAAEAAABAAAAAAAAAAAAAAAAAAAAAAAAAAAAAAAAAAAAAAAAAAAAAAAAAAAAAAAAAAAAAAAAAAAAAAAAAAAAAAAAAAAAAAAAAAAAAAAAAAAAAAAAAAAAAAAAAAAAAFAAAADwAAAAAAAAAAAAAAAAAAAkUAAAAAQAAABQAAAAUAAAAFAAAAAEAAAAAAAAAZAAAAGQAAAAAAAAAZAAAAGQAAAAVAAAAYAAAAAAAAAAAAAAADwAAACADAAAAAAAAAAAAAAEAAACgMgAAVgcAAKr4//8BAAAAf39/AAEAAABkAAAAAAAAABQAAABAHwAAAAAAACYAAAAAAAAAwOD//wAAAAAmAAAAZAAAABYAAABMAAAAAAAAAAAAAAAEAAAAAAAAAAEAAADn5uYKAAAAACgAAAAoAAAAZAAAAGQAAAAAAAAAzMzMAAAAAABQAAAAUAAAAGQAAABkAAAAAAAAABcAAAAUAAAAAAAAAAAAAAD/fwAA/38AAAAAAAAJAAAABAAAAAAAAAAeAAAAaAAAAAAAAAAAAAAAAAAAAAAAAAAAAAAAECcAABAnAAAAAAAAAAAAAAAAAAAAAAAAAAAAAAAAAAAAAAAAAAAAABQAAAAAAAAAwMD/AAAAAABkAAAAMgAAAAAAAABkAAAAAAAAAH9/fwAKAAAAIgAAABgAAAAAAAAAAAAAAAAAAAAAAAAAAAAAAAAAAAAkAAAAJAAAAAAAAAAHAAAAAAAAAAAAAAAAAAAAAAAAAAAAAAAAAAAAf39/ACUAAABYAAAAAAAAAAAAAAAAAAAAAAAAAAAAAAAAAAAAAAAAAAAAAAAAAAAAAAAAAAAAAAA/AAAAAAAAAKCGAQAAAAAAAAAAAAAAAAAMAAAAAQAAAAAAAAAAAAAAAAAAAB8AAABUAAAARHLEBf///wEAAAAAAAAAAAAAAAAAAAAAAAAAAAAAAAAAAAAAAAAAAAAAAAJ/f38A5+bmA8zMzADAwP8Af39/AAAAAAAAAAAAAAAAAAAAAAAAAAAAIQAAABgAAAAUAAAAKAUAADsLAADYRQAAACYAABAAAAAmAAAACAAAAAAAAAAAAAAAMAAAABQAAAAAAAAAAAD//wAAAQAAAP//AAABAA=="/>
+              </a:ext>
+            </a:extLst>
+          </p:cNvSpPr>
+          <p:nvPr>
+            <p:ph type="body" idx="1"/>
+          </p:nvPr>
+        </p:nvSpPr>
+        <p:spPr/>
+        <p:txBody>
+          <a:bodyPr/>
+          <a:lstStyle/>
+          <a:p>
+            <a:pPr>
+              <a:defRPr lang="ru-ru"/>
+            </a:pPr>
+            <a:endParaRPr/>
+          </a:p>
+        </p:txBody>
+      </p:sp>
+      <p:pic>
+        <p:nvPicPr>
+          <p:cNvPr id="4" name="Рисунок 4"/>
+          <p:cNvPicPr>
+            <a:picLocks noChangeAspect="1"/>
+            <a:extLst>
+              <a:ext uri="smNativeData">
+                <pr:smNativeData xmlns:mc="http://schemas.openxmlformats.org/markup-compatibility/2006" xmlns:p14="http://schemas.microsoft.com/office/powerpoint/2010/main" xmlns:p15="http://schemas.microsoft.com/office/powerpoint/2012/main" xmlns:pr="smNativeData" xmlns="smNativeData" val="SMDATA_18_xzE7ZxMAAAAlAAAAEQAAAC0AAAAAkAAAAEgAAACQAAAASAAAAAAAAAAAAAAAAAAAAAEAAABQAAAAAAAAAAAA4D8AAAAAAADgPwAAAAAAAOA/AAAAAAAA4D8AAAAAAADgPwAAAAAAAOA/AAAAAAAA4D8AAAAAAADgPwAAAAAAAOA/AAAAAAAA4D8CAAAAjAAAAAAAAAAAAAAARHLEDP///wgAAAAAAAAAAAAAAAAAAAAAAAAAAAAAAAAAAAAAZAAAAAEAAABAAAAAAAAAAAAAAAAAAAAAAAAAAAAAAAAAAAAAAAAAAAAAAAAAAAAAAAAAAAAAAAAAAAAAAAAAAAAAAAAAAAAAAAAAAAAAAAAAAAAAAAAAAAAAAAAAAAAAFAAAADwAAAAAAAAAAAAAAAAAAAkUAAAAAQAAABQAAAAUAAAAFAAAAAEAAAAAAAAAZAAAAGQAAAAAAAAAZAAAAGQAAAAVAAAAYAAAAAAAAAAAAAAADwAAACADAAAAAAAAAAAAAAEAAACgMgAAVgcAAKr4//8BAAAAf39/AAEAAABkAAAAAAAAABQAAABAHwAAAAAAACYAAAAAAAAAwOD//wAAAAAmAAAAZAAAABYAAABMAAAAAAAAAAAAAAAEAAAAAAAAAAEAAADn5uYKAAAAACgAAAAoAAAAZAAAAGQAAAAAAAAAzMzMAAAAAABQAAAAUAAAAGQAAABkAAAAAAAAAAcAAAA4AAAAAAAAAAAAAAAAAAAA////AAAAAAAAAAAAAAAAAAAAAAAAAAAAAAAAAAAAAABkAAAAZAAAAAAAAAAjAAAABAAAAGQAAAAXAAAAFAAAAAAAAAAAAAAA/38AAP9/AAAAAAAACQAAAAQAAAD/////HgAAAGgAAAAAAAAAAAAAAAAAAAAAAAAAAAAAABAnAAAQJwAAAAAAAAAAAAAAAAAAAAAAAAAAAAAAAAAAAAAAAAAAAAAUAAAAAAAAAMDA/wAAAAAAZAAAADIAAAAAAAAAZAAAAAAAAAB/f38ACgAAACIAAAAYAAAAAAAAAAAAAAAAAAAAAAAAAAAAAAAAAAAAJAAAACQAAAAAAAAABwAAAAAAAAAAAAAAAAAAAAAAAAAAAAAAAAAAAH9/fwAlAAAAWAAAAAAAAAAAAAAAAAAAAAAAAAAAAAAAAAAAAAAAAAAAAAAAAAAAAAAAAAAAAAAAPwAAAAAAAACghgEAAAAAAAAAAAAAAAAADAAAAAEAAAAAAAAAAAAAAAAAAAAfAAAAVAAAAERyxAX///8BAAAAAAAAAAAAAAAAAAAAAAAAAAAAAAAAAAAAAAAAAAAAAAACf39/AOfm5gPMzMwAwMD/AH9/fwAAAAAAAAAAAAAAAAD///8AAAAAACEAAAAYAAAAFAAAAAAAAABpDAAAHCQAAPEnAAAQAAAAJgAAAAgAAAD//////////zAAAAAUAAAAAAAAAAAA//8AAAEAAAD//wAAAQA="/>
+              </a:ext>
+            </a:extLst>
+          </p:cNvPicPr>
+          <p:nvPr/>
+        </p:nvPicPr>
+        <p:blipFill>
+          <a:blip r:embed="rId3"/>
+          <a:stretch>
+            <a:fillRect/>
+          </a:stretch>
+        </p:blipFill>
+        <p:spPr>
+          <a:xfrm>
+            <a:off x="0" y="2017395"/>
+            <a:ext cx="5869940" cy="4475480"/>
+          </a:xfrm>
+          <a:prstGeom prst="rect">
+            <a:avLst/>
+          </a:prstGeom>
+          <a:noFill/>
+          <a:ln>
+            <a:noFill/>
+          </a:ln>
+          <a:effectLst/>
+        </p:spPr>
+      </p:pic>
+      <p:pic>
+        <p:nvPicPr>
+          <p:cNvPr id="5" name="Рисунок 6"/>
+          <p:cNvPicPr>
+            <a:picLocks noChangeAspect="1"/>
+            <a:extLst>
+              <a:ext uri="smNativeData">
+                <pr:smNativeData xmlns:mc="http://schemas.openxmlformats.org/markup-compatibility/2006" xmlns:p14="http://schemas.microsoft.com/office/powerpoint/2010/main" xmlns:p15="http://schemas.microsoft.com/office/powerpoint/2012/main" xmlns:pr="smNativeData" xmlns="smNativeData" val="SMDATA_18_xzE7ZxMAAAAlAAAAEQAAAC0AAAAAkAAAAEgAAACQAAAASAAAAAAAAAAAAAAAAAAAAAEAAABQAAAAAAAAAAAA4D8AAAAAAADgPwAAAAAAAOA/AAAAAAAA4D8AAAAAAADgPwAAAAAAAOA/AAAAAAAA4D8AAAAAAADgPwAAAAAAAOA/AAAAAAAA4D8CAAAAjAAAAAAAAAAAAAAARHLEDP///wgAAAAAAAAAAAAAAAAAAAAAAAAAAAAAAAAAAAAAZAAAAAEAAABAAAAAAAAAAAAAAAAAAAAAAAAAAAAAAAAAAAAAAAAAAAAAAAAAAAAAAAAAAAAAAAAAAAAAAAAAAAAAAAAAAAAAAAAAAAAAAAAAAAAAAAAAAAAAAAAAAAAAFAAAADwAAAAAAAAAAAAAAAAAAAkUAAAAAQAAABQAAAAUAAAAFAAAAAEAAAAAAAAAZAAAAGQAAAAAAAAAZAAAAGQAAAAVAAAAYAAAAAAAAAAAAAAADwAAACADAAAAAAAAAAAAAAEAAACgMgAAVgcAAKr4//8BAAAAf39/AAEAAABkAAAAAAAAABQAAABAHwAAAAAAACYAAAAAAAAAwOD//wAAAAAmAAAAZAAAABYAAABMAAAAAAAAAAAAAAAEAAAAAAAAAAEAAADn5uYKAAAAACgAAAAoAAAAZAAAAGQAAAAAAAAAzMzMAAAAAABQAAAAUAAAAGQAAABkAAAAAAAAAAcAAAA4AAAAAAAAAAAAAAAAAAAA////AAAAAAAAAAAAAAAAAAAAAAAAAAAAAAAAAAAAAABkAAAAZAAAAAAAAAAjAAAABAAAAGQAAAAXAAAAFAAAAAAAAAAAAAAA/38AAP9/AAAAAAAACQAAAAQAAAD/////HgAAAGgAAAAAAAAAAAAAAAAAAAAAAAAAAAAAABAnAAAQJwAAAAAAAAAAAAAAAAAAAAAAAAAAAAAAAAAAAAAAAAAAAAAUAAAAAAAAAMDA/wAAAAAAZAAAADIAAAAAAAAAZAAAAAAAAAB/f38ACgAAACIAAAAYAAAAAAAAAAAAAAAAAAAAAAAAAAAAAAAAAAAAJAAAACQAAAAAAAAABwAAAAAAAAAAAAAAAAAAAAAAAAAAAAAAAAAAAH9/fwAlAAAAWAAAAAAAAAAAAAAAAAAAAAAAAAAAAAAAAAAAAAAAAAAAAAAAAAAAAAAAAAAAAAAAPwAAAAAAAACghgEAAAAAAAAAAAAAAAAADAAAAAEAAAAAAAAAAAAAAAAAAAAfAAAAVAAAAERyxAX///8BAAAAAAAAAAAAAAAAAAAAAAAAAAAAAAAAAAAAAAAAAAAAAAACf39/AOfm5gPMzMwAwMD/AH9/fwAAAAAAAAAAAAAAAAD///8AAAAAACEAAAAYAAAAFAAAABwkAAB7EwAAVEgAAC0nAAAQAAAAJgAAAAgAAAD//////////zAAAAAUAAAAAAAAAAAA//8AAAEAAAD//wAAAQA="/>
+              </a:ext>
+            </a:extLst>
+          </p:cNvPicPr>
+          <p:nvPr/>
+        </p:nvPicPr>
+        <p:blipFill>
+          <a:blip r:embed="rId4"/>
+          <a:stretch>
+            <a:fillRect/>
+          </a:stretch>
+        </p:blipFill>
+        <p:spPr>
+          <a:xfrm>
+            <a:off x="5869940" y="3166745"/>
+            <a:ext cx="5887720" cy="3201670"/>
           </a:xfrm>
           <a:prstGeom prst="rect">
             <a:avLst/>
@@ -8210,90 +7962,4 @@
     </a:folHlink>
   </a:clrScheme>
 </a:themeOverride>
-</file>
-
-<file path=ppt/theme/themeOverride6.xml><?xml version="1.0" encoding="utf-8"?>
-<a:themeOverride xmlns:a="http://schemas.openxmlformats.org/drawingml/2006/main">
-  <a:clrScheme name="Presentation 1">
-    <a:dk1>
-      <a:srgbClr val="000000"/>
-    </a:dk1>
-    <a:lt1>
-      <a:srgbClr val="FFFFFF"/>
-    </a:lt1>
-    <a:dk2>
-      <a:srgbClr val="000000"/>
-    </a:dk2>
-    <a:lt2>
-      <a:srgbClr val="808080"/>
-    </a:lt2>
-    <a:accent1>
-      <a:srgbClr val="BBE0E3"/>
-    </a:accent1>
-    <a:accent2>
-      <a:srgbClr val="333399"/>
-    </a:accent2>
-    <a:accent3>
-      <a:srgbClr val="535379"/>
-    </a:accent3>
-    <a:accent4>
-      <a:srgbClr val="737359"/>
-    </a:accent4>
-    <a:accent5>
-      <a:srgbClr val="939339"/>
-    </a:accent5>
-    <a:accent6>
-      <a:srgbClr val="B3B319"/>
-    </a:accent6>
-    <a:hlink>
-      <a:srgbClr val="009999"/>
-    </a:hlink>
-    <a:folHlink>
-      <a:srgbClr val="99CC00"/>
-    </a:folHlink>
-  </a:clrScheme>
-</a:themeOverride>
-</file>
-
-<file path=ppt/theme/themeOverride7.xml><?xml version="1.0" encoding="utf-8"?>
-<a:themeOverride xmlns:a="http://schemas.openxmlformats.org/drawingml/2006/main">
-  <a:clrScheme name="Presentation 1">
-    <a:dk1>
-      <a:srgbClr val="000000"/>
-    </a:dk1>
-    <a:lt1>
-      <a:srgbClr val="FFFFFF"/>
-    </a:lt1>
-    <a:dk2>
-      <a:srgbClr val="000000"/>
-    </a:dk2>
-    <a:lt2>
-      <a:srgbClr val="808080"/>
-    </a:lt2>
-    <a:accent1>
-      <a:srgbClr val="BBE0E3"/>
-    </a:accent1>
-    <a:accent2>
-      <a:srgbClr val="333399"/>
-    </a:accent2>
-    <a:accent3>
-      <a:srgbClr val="535379"/>
-    </a:accent3>
-    <a:accent4>
-      <a:srgbClr val="737359"/>
-    </a:accent4>
-    <a:accent5>
-      <a:srgbClr val="939339"/>
-    </a:accent5>
-    <a:accent6>
-      <a:srgbClr val="B3B319"/>
-    </a:accent6>
-    <a:hlink>
-      <a:srgbClr val="009999"/>
-    </a:hlink>
-    <a:folHlink>
-      <a:srgbClr val="99CC00"/>
-    </a:folHlink>
-  </a:clrScheme>
-</a:themeOverride>
 </file>
--- a/plots.pptx
+++ b/plots.pptx
@@ -264,7 +264,7 @@
             <a:spLocks noGrp="1" noChangeArrowheads="1"/>
             <a:extLst>
               <a:ext uri="smNativeData">
-                <pr:smNativeData xmlns:mc="http://schemas.openxmlformats.org/markup-compatibility/2006" xmlns:p14="http://schemas.microsoft.com/office/powerpoint/2010/main" xmlns:p15="http://schemas.microsoft.com/office/powerpoint/2012/main" xmlns:pr="smNativeData" xmlns="smNativeData" val="SMDATA_16_xzE7ZxMAAAAlAAAAZAAAAA8BAAAAkAAAAEgAAACQAAAASAAAAAAAAAAAAAAAAAAAAAEAAABQAAAAAAAAAAAA4D8AAAAAAADgPwAAAAAAAOA/AAAAAAAA4D8AAAAAAADgPwAAAAAAAOA/AAAAAAAA4D8AAAAAAADgPwAAAAAAAOA/AAAAAAAA4D8CAAAAjAAAAAAAAAAAAAAAu+DjDP///wgAAAAAAAAAAAAAAAAAAAAAAAAAAAAAAAAAAAAAZAAAAAEAAABAAAAAAAAAAAAAAAAAAAAAAAAAAAAAAAAAAAAAAAAAAAAAAAAAAAAAAAAAAAAAAAAAAAAAAAAAAAAAAAAAAAAAAAAAAAAAAAAAAAAAAAAAAAAAAAAAAAAAFAAAADwAAAAAAAAAAAAAAAAAAAkUAAAAAQAAABQAAAAUAAAAFAAAAAEAAAAAAAAAZAAAAGQAAAAAAAAAZAAAAGQAAAAVAAAAYAAAAAAAAAAAAAAADwAAACADAAAAAAAAAAAAAAEAAACgMgAAVgcAAKr4//8BAAAAf39/AAEAAABkAAAAAAAAABQAAABAHwAAAAAAACYAAAAAAAAAwOD//wAAAAAmAAAAZAAAABYAAABMAAAAAAAAAAAAAAAEAAAAAAAAAAEAAACAgIAKAAAAACgAAAAoAAAAZAAAAGQAAAAAAAAAzMzMAAAAAABQAAAAUAAAAGQAAABkAAAAAAAAABcAAAAUAAAAAAAAAAAAAAD/fwAA/38AAAAAAAAJAAAABAAAAAAAAAAeAAAAaAAAAAAAAAAAAAAAAAAAAAAAAAAAAAAAECcAABAnAAAAAAAAAAAAAAAAAAAAAAAAAAAAAAAAAAAAAAAAAAAAABQAAAAAAAAAwMD/AAAAAABkAAAAMgAAAAAAAABkAAAAAAAAAH9/fwAKAAAAIgAAABgAAAAAAAAAAAAAAAAAAAAAAAAAAAAAAAAAAAAkAAAAJAAAAAAAAAAHAAAAAAAAAAAAAAAAAAAAAAAAAAAAAAAAAAAAf39/ACUAAABYAAAAAAAAAAAAAAAAAAAAAAAAAAAAAAAAAAAAAAAAAAAAAAAAAAAAAAAAAAAAAAA/AAAAAAAAAKCGAQAAAAAAAAAAAAAAAAAMAAAAAQAAAAAAAAAAAAAAAAAAAB8AAABUAAAAAAAABQAAAAEAAAAAAAAAAAAAAAAAAAAAAAAAAAAAAAAAAAAAAAAAAAAAAAJ/f38AAAAAA8zMzADAwP8Af39/AAAAAAAAAAAAAAAAAAAAAAAAAAAAIQAAABgAAAAUAAAAAAAAAAAAAABIEgAA0AIAABAAAAAmAAAACAAAAP//////////MAAAABQAAAAAAAAAAAD//wAAAQAAAP//AAABAA=="/>
+                <pr:smNativeData xmlns="smNativeData" xmlns:pr="smNativeData" xmlns:p15="http://schemas.microsoft.com/office/powerpoint/2012/main" xmlns:p14="http://schemas.microsoft.com/office/powerpoint/2010/main" xmlns:mc="http://schemas.openxmlformats.org/markup-compatibility/2006" val="SMDATA_16_xzE7ZxMAAAAlAAAAZAAAAA8BAAAAkAAAAEgAAACQAAAASAAAAAAAAAAAAAAAAAAAAAEAAABQAAAAAAAAAAAA4D8AAAAAAADgPwAAAAAAAOA/AAAAAAAA4D8AAAAAAADgPwAAAAAAAOA/AAAAAAAA4D8AAAAAAADgPwAAAAAAAOA/AAAAAAAA4D8CAAAAjAAAAAAAAAAAAAAAu+DjDP///wgAAAAAAAAAAAAAAAAAAAAAAAAAAAAAAAAAAAAAZAAAAAEAAABAAAAAAAAAAAAAAAAAAAAAAAAAAAAAAAAAAAAAAAAAAAAAAAAAAAAAAAAAAAAAAAAAAAAAAAAAAAAAAAAAAAAAAAAAAAAAAAAAAAAAAAAAAAAAAAAAAAAAFAAAADwAAAAAAAAAAAAAAAAAAAkUAAAAAQAAABQAAAAUAAAAFAAAAAEAAAAAAAAAZAAAAGQAAAAAAAAAZAAAAGQAAAAVAAAAYAAAAAAAAAAAAAAADwAAACADAAAAAAAAAAAAAAEAAACgMgAAVgcAAKr4//8BAAAAf39/AAEAAABkAAAAAAAAABQAAABAHwAAAAAAACYAAAAAAAAAwOD//wAAAAAmAAAAZAAAABYAAABMAAAAAAAAAAAAAAAEAAAAAAAAAAEAAACAgIAKAAAAACgAAAAoAAAAZAAAAGQAAAAAAAAAzMzMAAAAAABQAAAAUAAAAGQAAABkAAAAAAAAABcAAAAUAAAAAAAAAAAAAAD/fwAA/38AAAAAAAAJAAAABAAAAAAAAAAeAAAAaAAAAAAAAAAAAAAAAAAAAAAAAAAAAAAAECcAABAnAAAAAAAAAAAAAAAAAAAAAAAAAAAAAAAAAAAAAAAAAAAAABQAAAAAAAAAwMD/AAAAAABkAAAAMgAAAAAAAABkAAAAAAAAAH9/fwAKAAAAIgAAABgAAAAAAAAAAAAAAAAAAAAAAAAAAAAAAAAAAAAkAAAAJAAAAAAAAAAHAAAAAAAAAAAAAAAAAAAAAAAAAAAAAAAAAAAAf39/ACUAAABYAAAAAAAAAAAAAAAAAAAAAAAAAAAAAAAAAAAAAAAAAAAAAAAAAAAAAAAAAAAAAAA/AAAAAAAAAKCGAQAAAAAAAAAAAAAAAAAMAAAAAQAAAAAAAAAAAAAAAAAAAB8AAABUAAAAAAAABQAAAAEAAAAAAAAAAAAAAAAAAAAAAAAAAAAAAAAAAAAAAAAAAAAAAAJ/f38AAAAAA8zMzADAwP8Af39/AAAAAAAAAAAAAAAAAAAAAAAAAAAAIQAAABgAAAAUAAAAAAAAAAAAAABIEgAA0AIAABAAAAAmAAAACAAAAP//////////MAAAABQAAAAAAAAAAAD//wAAAQAAAP//AAABAA=="/>
               </a:ext>
             </a:extLst>
           </p:cNvSpPr>
@@ -336,7 +336,7 @@
             <a:spLocks noGrp="1" noChangeArrowheads="1"/>
             <a:extLst>
               <a:ext uri="smNativeData">
-                <pr:smNativeData xmlns:mc="http://schemas.openxmlformats.org/markup-compatibility/2006" xmlns:p14="http://schemas.microsoft.com/office/powerpoint/2010/main" xmlns:p15="http://schemas.microsoft.com/office/powerpoint/2012/main" xmlns:pr="smNativeData" xmlns="smNativeData" val="SMDATA_16_xzE7ZxMAAAAlAAAAZAAAAA8BAAAAkAAAAEgAAACQAAAASAAAAAAAAAAAAAAAAAAAAAEAAABQAAAAAAAAAAAA4D8AAAAAAADgPwAAAAAAAOA/AAAAAAAA4D8AAAAAAADgPwAAAAAAAOA/AAAAAAAA4D8AAAAAAADgPwAAAAAAAOA/AAAAAAAA4D8CAAAAjAAAAAAAAAAAAAAAu+DjDP///wgAAAAAAAAAAAAAAAAAAAAAAAAAAAAAAAAAAAAAZAAAAAEAAABAAAAAAAAAAAAAAAAAAAAAAAAAAAAAAAAAAAAAAAAAAAAAAAAAAAAAAAAAAAAAAAAAAAAAAAAAAAAAAAAAAAAAAAAAAAAAAAAAAAAAAAAAAAAAAAAAAAAAFAAAADwAAAAAAAAAAAAAAAAAAAkUAAAAAQAAABQAAAAUAAAAFAAAAAEAAAAAAAAAZAAAAGQAAAAAAAAAZAAAAGQAAAAVAAAAYAAAAAAAAAAAAAAADwAAACADAAAAAAAAAAAAAAEAAACgMgAAVgcAAKr4//8BAAAAf39/AAEAAABkAAAAAAAAABQAAABAHwAAAAAAACYAAAAAAAAAwOD//wAAAAAmAAAAZAAAABYAAABMAAAAAAAAAAAAAAAEAAAAAAAAAAEAAACAgIAKAAAAACgAAAAoAAAAZAAAAGQAAAAAAAAAzMzMAAAAAABQAAAAUAAAAGQAAABkAAAAAAAAABcAAAAUAAAAAAAAAAAAAAD/fwAA/38AAAAAAAAJAAAABAAAAAAAAAAeAAAAaAAAAAAAAAAAAAAAAAAAAAAAAAAAAAAAECcAABAnAAAAAAAAAAAAAAAAAAAAAAAAAAAAAAAAAAAAAAAAAAAAABQAAAAAAAAAwMD/AAAAAABkAAAAMgAAAAAAAABkAAAAAAAAAH9/fwAKAAAAIgAAABgAAAAAAAAAAAAAAAAAAAAAAAAAAAAAAAAAAAAkAAAAJAAAAAAAAAAHAAAAAAAAAAAAAAAAAAAAAAAAAAAAAAAAAAAAf39/ACUAAABYAAAAAAAAAAAAAAAAAAAAAAAAAAAAAAAAAAAAAAAAAAAAAAAAAAAAAAAAAAAAAAA/AAAAAAAAAKCGAQAAAAAAAAAAAAAAAAAMAAAAAQAAAAAAAAAAAAAAAAAAAB8AAABUAAAAAAAABQAAAAEAAAAAAAAAAAAAAAAAAAAAAAAAAAAAAAAAAAAAAAAAAAAAAAJ/f38AAAAAA8zMzADAwP8Af39/AAAAAAAAAAAAAAAAAAAAAAAAAAAAIQAAABgAAAAUAAAA6BcAAAAAAAAwKgAA0AIAABAAAAAmAAAACAAAAP//////////MAAAABQAAAAAAAAAAAD//wAAAQAAAP//AAABAA=="/>
+                <pr:smNativeData xmlns="smNativeData" xmlns:pr="smNativeData" xmlns:p15="http://schemas.microsoft.com/office/powerpoint/2012/main" xmlns:p14="http://schemas.microsoft.com/office/powerpoint/2010/main" xmlns:mc="http://schemas.openxmlformats.org/markup-compatibility/2006" val="SMDATA_16_xzE7ZxMAAAAlAAAAZAAAAA8BAAAAkAAAAEgAAACQAAAASAAAAAAAAAAAAAAAAAAAAAEAAABQAAAAAAAAAAAA4D8AAAAAAADgPwAAAAAAAOA/AAAAAAAA4D8AAAAAAADgPwAAAAAAAOA/AAAAAAAA4D8AAAAAAADgPwAAAAAAAOA/AAAAAAAA4D8CAAAAjAAAAAAAAAAAAAAAu+DjDP///wgAAAAAAAAAAAAAAAAAAAAAAAAAAAAAAAAAAAAAZAAAAAEAAABAAAAAAAAAAAAAAAAAAAAAAAAAAAAAAAAAAAAAAAAAAAAAAAAAAAAAAAAAAAAAAAAAAAAAAAAAAAAAAAAAAAAAAAAAAAAAAAAAAAAAAAAAAAAAAAAAAAAAFAAAADwAAAAAAAAAAAAAAAAAAAkUAAAAAQAAABQAAAAUAAAAFAAAAAEAAAAAAAAAZAAAAGQAAAAAAAAAZAAAAGQAAAAVAAAAYAAAAAAAAAAAAAAADwAAACADAAAAAAAAAAAAAAEAAACgMgAAVgcAAKr4//8BAAAAf39/AAEAAABkAAAAAAAAABQAAABAHwAAAAAAACYAAAAAAAAAwOD//wAAAAAmAAAAZAAAABYAAABMAAAAAAAAAAAAAAAEAAAAAAAAAAEAAACAgIAKAAAAACgAAAAoAAAAZAAAAGQAAAAAAAAAzMzMAAAAAABQAAAAUAAAAGQAAABkAAAAAAAAABcAAAAUAAAAAAAAAAAAAAD/fwAA/38AAAAAAAAJAAAABAAAAAAAAAAeAAAAaAAAAAAAAAAAAAAAAAAAAAAAAAAAAAAAECcAABAnAAAAAAAAAAAAAAAAAAAAAAAAAAAAAAAAAAAAAAAAAAAAABQAAAAAAAAAwMD/AAAAAABkAAAAMgAAAAAAAABkAAAAAAAAAH9/fwAKAAAAIgAAABgAAAAAAAAAAAAAAAAAAAAAAAAAAAAAAAAAAAAkAAAAJAAAAAAAAAAHAAAAAAAAAAAAAAAAAAAAAAAAAAAAAAAAAAAAf39/ACUAAABYAAAAAAAAAAAAAAAAAAAAAAAAAAAAAAAAAAAAAAAAAAAAAAAAAAAAAAAAAAAAAAA/AAAAAAAAAKCGAQAAAAAAAAAAAAAAAAAMAAAAAQAAAAAAAAAAAAAAAAAAAB8AAABUAAAAAAAABQAAAAEAAAAAAAAAAAAAAAAAAAAAAAAAAAAAAAAAAAAAAAAAAAAAAAJ/f38AAAAAA8zMzADAwP8Af39/AAAAAAAAAAAAAAAAAAAAAAAAAAAAIQAAABgAAAAUAAAA6BcAAAAAAAAwKgAA0AIAABAAAAAmAAAACAAAAP//////////MAAAABQAAAAAAAAAAAD//wAAAQAAAP//AAABAA=="/>
               </a:ext>
             </a:extLst>
           </p:cNvSpPr>
@@ -411,7 +411,7 @@
             <a:spLocks noGrp="1" noRot="1" noChangeAspect="1" noChangeArrowheads="1"/>
             <a:extLst>
               <a:ext uri="smNativeData">
-                <pr:smNativeData xmlns:mc="http://schemas.openxmlformats.org/markup-compatibility/2006" xmlns:p14="http://schemas.microsoft.com/office/powerpoint/2010/main" xmlns:p15="http://schemas.microsoft.com/office/powerpoint/2012/main" xmlns:pr="smNativeData" xmlns="smNativeData" val="SMDATA_16_xzE7ZxMAAAAlAAAAZAAAAA8BAAAAkAAAAEgAAACQAAAASAAAAAAAAAABAAAAAAAAAAEAAABQAAAAAAAAAAAA4D8AAAAAAADgPwAAAAAAAOA/AAAAAAAA4D8AAAAAAADgPwAAAAAAAOA/AAAAAAAA4D8AAAAAAADgPwAAAAAAAOA/AAAAAAAA4D8CAAAAjAAAAAEAAAAAAAAAu+DjDP///wgAAAAAAAAAAAAAAAAAAAAAAAAAAAAAAAAAAAAAZAAAAAEAAABAAAAAAAAAAAAAAAAAAAAAAAAAAAAAAAAAAAAAAAAAAAAAAAAAAAAAAAAAAAAAAAAAAAAAAAAAAAAAAAAAAAAAAAAAAAAAAAAAAAAAAAAAAAAAAAAAAAAAFAAAADwAAAABAAAAAAAAAAAAAAkUAAAAAQAAABQAAAAUAAAAFAAAAAEAAAAAAAAAZAAAAGQAAAAAAAAAZAAAAGQAAAAVAAAAYAAAAAAAAAAAAAAADwAAACADAAAAAAAAAAAAAAEAAACgMgAAVgcAAKr4//8BAAAAf39/AAEAAABkAAAAAAAAABQAAABAHwAAAAAAACYAAAAAAAAAwOD//wAAAAAmAAAAZAAAABYAAABMAAAAAAAAAAAAAAAEAAAAAAAAAAEAAACAgIAKAAAAACgAAAAoAAAAZAAAAGQAAAAAAAAAzMzMAAAAAABQAAAAUAAAAGQAAABkAAAAAAAAABcAAAAUAAAAAAAAAAAAAAD/fwAA/38AAAAAAAAJAAAABAAAAAAAAAAeAAAAaAAAAAAAAAAAAAAAAAAAAAAAAAAAAAAAECcAABAnAAAAAAAAAAAAAAAAAAAAAAAAAAAAAAAAAAAAAAAAAAAAABQAAAAAAAAAwMD/AAAAAABkAAAAMgAAAAAAAABkAAAAAAAAAH9/fwAKAAAAIgAAABgAAAAAAAAAAAAAAAAAAAAAAAAAAAAAAAAAAAAkAAAAJAAAAAAAAAAHAAAAAAAAAAAAAAAAAAAAAAAAAAAAAAAAAAAAf39/ACUAAABYAAAAAAAAAAAAAAAAAAAAAAAAAAAAAAAAAAAAAAAAAAAAAAAAAAAAAAAAAAAAAAA/AAAAAAAAAKCGAQAAAAAAAAAAAAAAAAAMAAAAAQAAAAAAAAAAAAAAAAAAAB8AAABUAAAAAAAABQAAAAEAAAAAAAAAAAAAAAAAAAAAAAAAAAAAAAAAAAAAAAAAAAAAAAJ/f38AAAAAA8zMzADAwP8Af39/AAAAAAAAAAAAAAAAAAAAAAAAAAAAIQAAABgAAAAUAAAACAcAADgEAAAoIwAAUBkAABAAAAAmAAAACAAAAP//////////MAAAABQAAAAAAAAAAAD//wAAAQAAAP//AAABAA=="/>
+                <pr:smNativeData xmlns="smNativeData" xmlns:pr="smNativeData" xmlns:p15="http://schemas.microsoft.com/office/powerpoint/2012/main" xmlns:p14="http://schemas.microsoft.com/office/powerpoint/2010/main" xmlns:mc="http://schemas.openxmlformats.org/markup-compatibility/2006" val="SMDATA_16_xzE7ZxMAAAAlAAAAZAAAAA8BAAAAkAAAAEgAAACQAAAASAAAAAAAAAABAAAAAAAAAAEAAABQAAAAAAAAAAAA4D8AAAAAAADgPwAAAAAAAOA/AAAAAAAA4D8AAAAAAADgPwAAAAAAAOA/AAAAAAAA4D8AAAAAAADgPwAAAAAAAOA/AAAAAAAA4D8CAAAAjAAAAAEAAAAAAAAAu+DjDP///wgAAAAAAAAAAAAAAAAAAAAAAAAAAAAAAAAAAAAAZAAAAAEAAABAAAAAAAAAAAAAAAAAAAAAAAAAAAAAAAAAAAAAAAAAAAAAAAAAAAAAAAAAAAAAAAAAAAAAAAAAAAAAAAAAAAAAAAAAAAAAAAAAAAAAAAAAAAAAAAAAAAAAFAAAADwAAAABAAAAAAAAAAAAAAkUAAAAAQAAABQAAAAUAAAAFAAAAAEAAAAAAAAAZAAAAGQAAAAAAAAAZAAAAGQAAAAVAAAAYAAAAAAAAAAAAAAADwAAACADAAAAAAAAAAAAAAEAAACgMgAAVgcAAKr4//8BAAAAf39/AAEAAABkAAAAAAAAABQAAABAHwAAAAAAACYAAAAAAAAAwOD//wAAAAAmAAAAZAAAABYAAABMAAAAAAAAAAAAAAAEAAAAAAAAAAEAAACAgIAKAAAAACgAAAAoAAAAZAAAAGQAAAAAAAAAzMzMAAAAAABQAAAAUAAAAGQAAABkAAAAAAAAABcAAAAUAAAAAAAAAAAAAAD/fwAA/38AAAAAAAAJAAAABAAAAAAAAAAeAAAAaAAAAAAAAAAAAAAAAAAAAAAAAAAAAAAAECcAABAnAAAAAAAAAAAAAAAAAAAAAAAAAAAAAAAAAAAAAAAAAAAAABQAAAAAAAAAwMD/AAAAAABkAAAAMgAAAAAAAABkAAAAAAAAAH9/fwAKAAAAIgAAABgAAAAAAAAAAAAAAAAAAAAAAAAAAAAAAAAAAAAkAAAAJAAAAAAAAAAHAAAAAAAAAAAAAAAAAAAAAAAAAAAAAAAAAAAAf39/ACUAAABYAAAAAAAAAAAAAAAAAAAAAAAAAAAAAAAAAAAAAAAAAAAAAAAAAAAAAAAAAAAAAAA/AAAAAAAAAKCGAQAAAAAAAAAAAAAAAAAMAAAAAQAAAAAAAAAAAAAAAAAAAB8AAABUAAAAAAAABQAAAAEAAAAAAAAAAAAAAAAAAAAAAAAAAAAAAAAAAAAAAAAAAAAAAAJ/f38AAAAAA8zMzADAwP8Af39/AAAAAAAAAAAAAAAAAAAAAAAAAAAAIQAAABgAAAAUAAAACAcAADgEAAAoIwAAUBkAABAAAAAmAAAACAAAAP//////////MAAAABQAAAAAAAAAAAD//wAAAQAAAP//AAABAA=="/>
               </a:ext>
             </a:extLst>
           </p:cNvSpPr>
@@ -448,7 +448,7 @@
             <a:spLocks noGrp="1" noChangeArrowheads="1"/>
             <a:extLst>
               <a:ext uri="smNativeData">
-                <pr:smNativeData xmlns:mc="http://schemas.openxmlformats.org/markup-compatibility/2006" xmlns:p14="http://schemas.microsoft.com/office/powerpoint/2010/main" xmlns:p15="http://schemas.microsoft.com/office/powerpoint/2012/main" xmlns:pr="smNativeData" xmlns="smNativeData" val="SMDATA_16_xzE7ZxMAAAAlAAAAZAAAAA8BAAAAkAAAAEgAAACQAAAASAAAAAAAAAAAAAAAAAAAAAEAAABQAAAAAAAAAAAA4D8AAAAAAADgPwAAAAAAAOA/AAAAAAAA4D8AAAAAAADgPwAAAAAAAOA/AAAAAAAA4D8AAAAAAADgPwAAAAAAAOA/AAAAAAAA4D8CAAAAjAAAAAAAAAAAAAAAu+DjDP///wgAAAAAAAAAAAAAAAAAAAAAAAAAAAAAAAAAAAAAZAAAAAEAAABAAAAAAAAAAAAAAAAAAAAAAAAAAAAAAAAAAAAAAAAAAAAAAAAAAAAAAAAAAAAAAAAAAAAAAAAAAAAAAAAAAAAAAAAAAAAAAAAAAAAAAAAAAAAAAAAAAAAAFAAAADwAAAAAAAAAAAAAAAAAAAkUAAAAAQAAABQAAAAUAAAAFAAAAAEAAAAAAAAAZAAAAGQAAAAAAAAAZAAAAGQAAAAVAAAAYAAAAAAAAAAAAAAADwAAACADAAAAAAAAAAAAAAEAAACgMgAAVgcAAKr4//8BAAAAf39/AAEAAABkAAAAAAAAABQAAABAHwAAAAAAACYAAAAAAAAAwOD//wAAAAAmAAAAZAAAABYAAABMAAAAAAAAAAAAAAAEAAAAAAAAAAEAAACAgIAKAAAAACgAAAAoAAAAZAAAAGQAAAAAAAAAzMzMAAAAAABQAAAAUAAAAGQAAABkAAAAAAAAABcAAAAUAAAAAAAAAAAAAAD/fwAA/38AAAAAAAAJAAAABAAAAAAAAAAeAAAAaAAAAAAAAAAAAAAAAAAAAAAAAAAAAAAAECcAABAnAAAAAAAAAAAAAAAAAAAAAAAAAAAAAAAAAAAAAAAAAAAAABQAAAAAAAAAwMD/AAAAAABkAAAAMgAAAAAAAABkAAAAAAAAAH9/fwAKAAAAIgAAABgAAAAAAAAAAAAAAAAAAAAAAAAAAAAAAAAAAAAkAAAAJAAAAAAAAAAHAAAAAAAAAAAAAAAAAAAAAAAAAAAAAAAAAAAAf39/ACUAAABYAAAAAAAAAAAAAAAAAAAAAAAAAAAAAAAAAAAAAAAAAAAAAAAAAAAAAAAAAAAAAAA/AAAAAAAAAKCGAQAAAAAAAAAAAAAAAAAMAAAAAQAAAAAAAAAAAAAAAAAAAB8AAABUAAAAAAAABQAAAAEAAAAAAAAAAAAAAAAAAAAAAAAAAAAAAAAAAAAAAAAAAAAAAAJ/f38AAAAAA8zMzADAwP8Af39/AAAAAAAAAAAAAAAAAAAAAAAAAAAAIQAAABgAAAAUAAAAOAQAALgaAAD4JQAACDQAABAAAAAmAAAACAAAAP//////////MAAAABQAAAAAAAAAAAD//wAAAQAAAP//AAABAA=="/>
+                <pr:smNativeData xmlns="smNativeData" xmlns:pr="smNativeData" xmlns:p15="http://schemas.microsoft.com/office/powerpoint/2012/main" xmlns:p14="http://schemas.microsoft.com/office/powerpoint/2010/main" xmlns:mc="http://schemas.openxmlformats.org/markup-compatibility/2006" val="SMDATA_16_xzE7ZxMAAAAlAAAAZAAAAA8BAAAAkAAAAEgAAACQAAAASAAAAAAAAAAAAAAAAAAAAAEAAABQAAAAAAAAAAAA4D8AAAAAAADgPwAAAAAAAOA/AAAAAAAA4D8AAAAAAADgPwAAAAAAAOA/AAAAAAAA4D8AAAAAAADgPwAAAAAAAOA/AAAAAAAA4D8CAAAAjAAAAAAAAAAAAAAAu+DjDP///wgAAAAAAAAAAAAAAAAAAAAAAAAAAAAAAAAAAAAAZAAAAAEAAABAAAAAAAAAAAAAAAAAAAAAAAAAAAAAAAAAAAAAAAAAAAAAAAAAAAAAAAAAAAAAAAAAAAAAAAAAAAAAAAAAAAAAAAAAAAAAAAAAAAAAAAAAAAAAAAAAAAAAFAAAADwAAAAAAAAAAAAAAAAAAAkUAAAAAQAAABQAAAAUAAAAFAAAAAEAAAAAAAAAZAAAAGQAAAAAAAAAZAAAAGQAAAAVAAAAYAAAAAAAAAAAAAAADwAAACADAAAAAAAAAAAAAAEAAACgMgAAVgcAAKr4//8BAAAAf39/AAEAAABkAAAAAAAAABQAAABAHwAAAAAAACYAAAAAAAAAwOD//wAAAAAmAAAAZAAAABYAAABMAAAAAAAAAAAAAAAEAAAAAAAAAAEAAACAgIAKAAAAACgAAAAoAAAAZAAAAGQAAAAAAAAAzMzMAAAAAABQAAAAUAAAAGQAAABkAAAAAAAAABcAAAAUAAAAAAAAAAAAAAD/fwAA/38AAAAAAAAJAAAABAAAAAAAAAAeAAAAaAAAAAAAAAAAAAAAAAAAAAAAAAAAAAAAECcAABAnAAAAAAAAAAAAAAAAAAAAAAAAAAAAAAAAAAAAAAAAAAAAABQAAAAAAAAAwMD/AAAAAABkAAAAMgAAAAAAAABkAAAAAAAAAH9/fwAKAAAAIgAAABgAAAAAAAAAAAAAAAAAAAAAAAAAAAAAAAAAAAAkAAAAJAAAAAAAAAAHAAAAAAAAAAAAAAAAAAAAAAAAAAAAAAAAAAAAf39/ACUAAABYAAAAAAAAAAAAAAAAAAAAAAAAAAAAAAAAAAAAAAAAAAAAAAAAAAAAAAAAAAAAAAA/AAAAAAAAAKCGAQAAAAAAAAAAAAAAAAAMAAAAAQAAAAAAAAAAAAAAAAAAAB8AAABUAAAAAAAABQAAAAEAAAAAAAAAAAAAAAAAAAAAAAAAAAAAAAAAAAAAAAAAAAAAAAJ/f38AAAAAA8zMzADAwP8Af39/AAAAAAAAAAAAAAAAAAAAAAAAAAAAIQAAABgAAAAUAAAAOAQAALgaAAD4JQAACDQAABAAAAAmAAAACAAAAP//////////MAAAABQAAAAAAAAAAAD//wAAAQAAAP//AAABAA=="/>
               </a:ext>
             </a:extLst>
           </p:cNvSpPr>
@@ -526,7 +526,7 @@
             <a:spLocks noGrp="1" noChangeArrowheads="1"/>
             <a:extLst>
               <a:ext uri="smNativeData">
-                <pr:smNativeData xmlns:mc="http://schemas.openxmlformats.org/markup-compatibility/2006" xmlns:p14="http://schemas.microsoft.com/office/powerpoint/2010/main" xmlns:p15="http://schemas.microsoft.com/office/powerpoint/2012/main" xmlns:pr="smNativeData" xmlns="smNativeData" val="SMDATA_16_xzE7ZxMAAAAlAAAAZAAAAA8BAAAAkAAAAEgAAACQAAAASAAAAAAAAAACAAAAAAAAAAEAAABQAAAAAAAAAAAA4D8AAAAAAADgPwAAAAAAAOA/AAAAAAAA4D8AAAAAAADgPwAAAAAAAOA/AAAAAAAA4D8AAAAAAADgPwAAAAAAAOA/AAAAAAAA4D8CAAAAjAAAAAAAAAAAAAAAu+DjDP///wgAAAAAAAAAAAAAAAAAAAAAAAAAAAAAAAAAAAAAZAAAAAEAAABAAAAAAAAAAAAAAAAAAAAAAAAAAAAAAAAAAAAAAAAAAAAAAAAAAAAAAAAAAAAAAAAAAAAAAAAAAAAAAAAAAAAAAAAAAAAAAAAAAAAAAAAAAAAAAAAAAAAAFAAAADwAAAAAAAAAAAAAAAAAAAkUAAAAAQAAABQAAAAUAAAAFAAAAAEAAAAAAAAAZAAAAGQAAAAAAAAAZAAAAGQAAAAVAAAAYAAAAAAAAAAAAAAADwAAACADAAAAAAAAAAAAAAEAAACgMgAAVgcAAKr4//8BAAAAf39/AAEAAABkAAAAAAAAABQAAABAHwAAAAAAACYAAAAAAAAAwOD//wAAAAAmAAAAZAAAABYAAABMAAAAAAAAAAAAAAAEAAAAAAAAAAEAAACAgIAKAAAAACgAAAAoAAAAZAAAAGQAAAAAAAAAzMzMAAAAAABQAAAAUAAAAGQAAABkAAAAAAAAABcAAAAUAAAAAAAAAAAAAAD/fwAA/38AAAAAAAAJAAAABAAAAAAAAAAeAAAAaAAAAAAAAAAAAAAAAAAAAAAAAAAAAAAAECcAABAnAAAAAAAAAAAAAAAAAAAAAAAAAAAAAAAAAAAAAAAAAAAAABQAAAAAAAAAwMD/AAAAAABkAAAAMgAAAAAAAABkAAAAAAAAAH9/fwAKAAAAIgAAABgAAAAAAAAAAAAAAAAAAAAAAAAAAAAAAAAAAAAkAAAAJAAAAAAAAAAHAAAAAAAAAAAAAAAAAAAAAAAAAAAAAAAAAAAAf39/ACUAAABYAAAAAAAAAAAAAAAAAAAAAAAAAAAAAAAAAAAAAAAAAAAAAAAAAAAAAAAAAAAAAAA/AAAAAAAAAKCGAQAAAAAAAAAAAAAAAAAMAAAAAQAAAAAAAAAAAAAAAAAAAB8AAABUAAAAAAAABQAAAAEAAAAAAAAAAAAAAAAAAAAAAAAAAAAAAAAAAAAAAAAAAAAAAAJ/f38AAAAAA8zMzADAwP8Af39/AAAAAAAAAAAAAAAAAAAAAAAAAAAAIQAAABgAAAAUAAAAAAAAAHA1AABIEgAAQDgAABAAAAAmAAAACAAAAP//////////MAAAABQAAAAAAAAAAAD//wAAAQAAAP//AAABAA=="/>
+                <pr:smNativeData xmlns="smNativeData" xmlns:pr="smNativeData" xmlns:p15="http://schemas.microsoft.com/office/powerpoint/2012/main" xmlns:p14="http://schemas.microsoft.com/office/powerpoint/2010/main" xmlns:mc="http://schemas.openxmlformats.org/markup-compatibility/2006" val="SMDATA_16_xzE7ZxMAAAAlAAAAZAAAAA8BAAAAkAAAAEgAAACQAAAASAAAAAAAAAACAAAAAAAAAAEAAABQAAAAAAAAAAAA4D8AAAAAAADgPwAAAAAAAOA/AAAAAAAA4D8AAAAAAADgPwAAAAAAAOA/AAAAAAAA4D8AAAAAAADgPwAAAAAAAOA/AAAAAAAA4D8CAAAAjAAAAAAAAAAAAAAAu+DjDP///wgAAAAAAAAAAAAAAAAAAAAAAAAAAAAAAAAAAAAAZAAAAAEAAABAAAAAAAAAAAAAAAAAAAAAAAAAAAAAAAAAAAAAAAAAAAAAAAAAAAAAAAAAAAAAAAAAAAAAAAAAAAAAAAAAAAAAAAAAAAAAAAAAAAAAAAAAAAAAAAAAAAAAFAAAADwAAAAAAAAAAAAAAAAAAAkUAAAAAQAAABQAAAAUAAAAFAAAAAEAAAAAAAAAZAAAAGQAAAAAAAAAZAAAAGQAAAAVAAAAYAAAAAAAAAAAAAAADwAAACADAAAAAAAAAAAAAAEAAACgMgAAVgcAAKr4//8BAAAAf39/AAEAAABkAAAAAAAAABQAAABAHwAAAAAAACYAAAAAAAAAwOD//wAAAAAmAAAAZAAAABYAAABMAAAAAAAAAAAAAAAEAAAAAAAAAAEAAACAgIAKAAAAACgAAAAoAAAAZAAAAGQAAAAAAAAAzMzMAAAAAABQAAAAUAAAAGQAAABkAAAAAAAAABcAAAAUAAAAAAAAAAAAAAD/fwAA/38AAAAAAAAJAAAABAAAAAAAAAAeAAAAaAAAAAAAAAAAAAAAAAAAAAAAAAAAAAAAECcAABAnAAAAAAAAAAAAAAAAAAAAAAAAAAAAAAAAAAAAAAAAAAAAABQAAAAAAAAAwMD/AAAAAABkAAAAMgAAAAAAAABkAAAAAAAAAH9/fwAKAAAAIgAAABgAAAAAAAAAAAAAAAAAAAAAAAAAAAAAAAAAAAAkAAAAJAAAAAAAAAAHAAAAAAAAAAAAAAAAAAAAAAAAAAAAAAAAAAAAf39/ACUAAABYAAAAAAAAAAAAAAAAAAAAAAAAAAAAAAAAAAAAAAAAAAAAAAAAAAAAAAAAAAAAAAA/AAAAAAAAAKCGAQAAAAAAAAAAAAAAAAAMAAAAAQAAAAAAAAAAAAAAAAAAAB8AAABUAAAAAAAABQAAAAEAAAAAAAAAAAAAAAAAAAAAAAAAAAAAAAAAAAAAAAAAAAAAAAJ/f38AAAAAA8zMzADAwP8Af39/AAAAAAAAAAAAAAAAAAAAAAAAAAAAIQAAABgAAAAUAAAAAAAAAHA1AABIEgAAQDgAABAAAAAmAAAACAAAAP//////////MAAAABQAAAAAAAAAAAD//wAAAQAAAP//AAABAA=="/>
               </a:ext>
             </a:extLst>
           </p:cNvSpPr>
@@ -598,7 +598,7 @@
             <a:spLocks noGrp="1" noChangeArrowheads="1"/>
             <a:extLst>
               <a:ext uri="smNativeData">
-                <pr:smNativeData xmlns:mc="http://schemas.openxmlformats.org/markup-compatibility/2006" xmlns:p14="http://schemas.microsoft.com/office/powerpoint/2010/main" xmlns:p15="http://schemas.microsoft.com/office/powerpoint/2012/main" xmlns:pr="smNativeData" xmlns="smNativeData" val="SMDATA_16_xzE7ZxMAAAAlAAAAZAAAAA8BAAAAkAAAAEgAAACQAAAASAAAAAAAAAACAAAAAAAAAAEAAABQAAAAAAAAAAAA4D8AAAAAAADgPwAAAAAAAOA/AAAAAAAA4D8AAAAAAADgPwAAAAAAAOA/AAAAAAAA4D8AAAAAAADgPwAAAAAAAOA/AAAAAAAA4D8CAAAAjAAAAAAAAAAAAAAAu+DjDP///wgAAAAAAAAAAAAAAAAAAAAAAAAAAAAAAAAAAAAAZAAAAAEAAABAAAAAAAAAAAAAAAAAAAAAAAAAAAAAAAAAAAAAAAAAAAAAAAAAAAAAAAAAAAAAAAAAAAAAAAAAAAAAAAAAAAAAAAAAAAAAAAAAAAAAAAAAAAAAAAAAAAAAFAAAADwAAAAAAAAAAAAAAAAAAAkUAAAAAQAAABQAAAAUAAAAFAAAAAEAAAAAAAAAZAAAAGQAAAAAAAAAZAAAAGQAAAAVAAAAYAAAAAAAAAAAAAAADwAAACADAAAAAAAAAAAAAAEAAACgMgAAVgcAAKr4//8BAAAAf39/AAEAAABkAAAAAAAAABQAAABAHwAAAAAAACYAAAAAAAAAwOD//wAAAAAmAAAAZAAAABYAAABMAAAAAAAAAAAAAAAEAAAAAAAAAAEAAACAgIAKAAAAACgAAAAoAAAAZAAAAGQAAAAAAAAAzMzMAAAAAABQAAAAUAAAAGQAAABkAAAAAAAAABcAAAAUAAAAAAAAAAAAAAD/fwAA/38AAAAAAAAJAAAABAAAAAAAAAAeAAAAaAAAAAAAAAAAAAAAAAAAAAAAAAAAAAAAECcAABAnAAAAAAAAAAAAAAAAAAAAAAAAAAAAAAAAAAAAAAAAAAAAABQAAAAAAAAAwMD/AAAAAABkAAAAMgAAAAAAAABkAAAAAAAAAH9/fwAKAAAAIgAAABgAAAAAAAAAAAAAAAAAAAAAAAAAAAAAAAAAAAAkAAAAJAAAAAAAAAAHAAAAAAAAAAAAAAAAAAAAAAAAAAAAAAAAAAAAf39/ACUAAABYAAAAAAAAAAAAAAAAAAAAAAAAAAAAAAAAAAAAAAAAAAAAAAAAAAAAAAAAAAAAAAA/AAAAAAAAAKCGAQAAAAAAAAAAAAAAAAAMAAAAAQAAAAAAAAAAAAAAAAAAAB8AAABUAAAAAAAABQAAAAEAAAAAAAAAAAAAAAAAAAAAAAAAAAAAAAAAAAAAAAAAAAAAAAJ/f38AAAAAA8zMzADAwP8Af39/AAAAAAAAAAAAAAAAAAAAAAAAAAAAIQAAABgAAAAUAAAA6BcAAHA1AAAwKgAAQDgAABAAAAAmAAAACAAAAP//////////MAAAABQAAAAAAAAAAAD//wAAAQAAAP//AAABAA=="/>
+                <pr:smNativeData xmlns="smNativeData" xmlns:pr="smNativeData" xmlns:p15="http://schemas.microsoft.com/office/powerpoint/2012/main" xmlns:p14="http://schemas.microsoft.com/office/powerpoint/2010/main" xmlns:mc="http://schemas.openxmlformats.org/markup-compatibility/2006" val="SMDATA_16_xzE7ZxMAAAAlAAAAZAAAAA8BAAAAkAAAAEgAAACQAAAASAAAAAAAAAACAAAAAAAAAAEAAABQAAAAAAAAAAAA4D8AAAAAAADgPwAAAAAAAOA/AAAAAAAA4D8AAAAAAADgPwAAAAAAAOA/AAAAAAAA4D8AAAAAAADgPwAAAAAAAOA/AAAAAAAA4D8CAAAAjAAAAAAAAAAAAAAAu+DjDP///wgAAAAAAAAAAAAAAAAAAAAAAAAAAAAAAAAAAAAAZAAAAAEAAABAAAAAAAAAAAAAAAAAAAAAAAAAAAAAAAAAAAAAAAAAAAAAAAAAAAAAAAAAAAAAAAAAAAAAAAAAAAAAAAAAAAAAAAAAAAAAAAAAAAAAAAAAAAAAAAAAAAAAFAAAADwAAAAAAAAAAAAAAAAAAAkUAAAAAQAAABQAAAAUAAAAFAAAAAEAAAAAAAAAZAAAAGQAAAAAAAAAZAAAAGQAAAAVAAAAYAAAAAAAAAAAAAAADwAAACADAAAAAAAAAAAAAAEAAACgMgAAVgcAAKr4//8BAAAAf39/AAEAAABkAAAAAAAAABQAAABAHwAAAAAAACYAAAAAAAAAwOD//wAAAAAmAAAAZAAAABYAAABMAAAAAAAAAAAAAAAEAAAAAAAAAAEAAACAgIAKAAAAACgAAAAoAAAAZAAAAGQAAAAAAAAAzMzMAAAAAABQAAAAUAAAAGQAAABkAAAAAAAAABcAAAAUAAAAAAAAAAAAAAD/fwAA/38AAAAAAAAJAAAABAAAAAAAAAAeAAAAaAAAAAAAAAAAAAAAAAAAAAAAAAAAAAAAECcAABAnAAAAAAAAAAAAAAAAAAAAAAAAAAAAAAAAAAAAAAAAAAAAABQAAAAAAAAAwMD/AAAAAABkAAAAMgAAAAAAAABkAAAAAAAAAH9/fwAKAAAAIgAAABgAAAAAAAAAAAAAAAAAAAAAAAAAAAAAAAAAAAAkAAAAJAAAAAAAAAAHAAAAAAAAAAAAAAAAAAAAAAAAAAAAAAAAAAAAf39/ACUAAABYAAAAAAAAAAAAAAAAAAAAAAAAAAAAAAAAAAAAAAAAAAAAAAAAAAAAAAAAAAAAAAA/AAAAAAAAAKCGAQAAAAAAAAAAAAAAAAAMAAAAAQAAAAAAAAAAAAAAAAAAAB8AAABUAAAAAAAABQAAAAEAAAAAAAAAAAAAAAAAAAAAAAAAAAAAAAAAAAAAAAAAAAAAAAJ/f38AAAAAA8zMzADAwP8Af39/AAAAAAAAAAAAAAAAAAAAAAAAAAAAIQAAABgAAAAUAAAA6BcAAHA1AAAwKgAAQDgAABAAAAAmAAAACAAAAP//////////MAAAABQAAAAAAAAAAAD//wAAAQAAAP//AAABAA=="/>
               </a:ext>
             </a:extLst>
           </p:cNvSpPr>
@@ -905,7 +905,7 @@
             <a:spLocks noGrp="1" noRot="1" noChangeAspect="1" noChangeArrowheads="1"/>
             <a:extLst>
               <a:ext uri="smNativeData">
-                <pr:smNativeData xmlns:mc="http://schemas.openxmlformats.org/markup-compatibility/2006" xmlns:p14="http://schemas.microsoft.com/office/powerpoint/2010/main" xmlns:p15="http://schemas.microsoft.com/office/powerpoint/2012/main" xmlns:pr="smNativeData" xmlns="smNativeData" val="SMDATA_16_xzE7ZxMAAAAlAAAAZAAAAA8BAAAAkAAAAEgAAACQAAAASAAAAAAAAAABAAAAAAAAAAEAAABQAAAAAAAAAAAA4D8AAAAAAADgPwAAAAAAAOA/AAAAAAAA4D8AAAAAAADgPwAAAAAAAOA/AAAAAAAA4D8AAAAAAADgPwAAAAAAAOA/AAAAAAAA4D8CAAAAjAAAAAEAAAAAAAAARHLEDP///wgAAAAAAAAAAAAAAAAAAAAAAAAAAAAAAAAAAAAAZAAAAAEAAABAAAAAAAAAAAAAAAAAAAAAAAAAAAAAAAAAAAAAAAAAAAAAAAAAAAAAAAAAAAAAAAAAAAAAAAAAAAAAAAAAAAAAAAAAAAAAAAAAAAAAAAAAAAAAAAAAAAAAFAAAADwAAAABAAAAAAAAAAAAAAkUAAAAAQAAABQAAAAUAAAAFAAAAAEAAAAAAAAAZAAAAGQAAAAAAAAAZAAAAGQAAAAVAAAAYAAAAAAAAAAAAAAADwAAACADAAAAAAAAAAAAAAEAAACgMgAAVgcAAKr4//8BAAAAf39/AAEAAABkAAAAAAAAABQAAABAHwAAAAAAACYAAAAAAAAAwOD//wAAAAAmAAAAZAAAABYAAABMAAAAAAAAAAAAAAAEAAAAAAAAAAEAAADn5uYKAAAAACgAAAAoAAAAZAAAAGQAAAAAAAAAzMzMAAAAAABQAAAAUAAAAGQAAABkAAAAAAAAABcAAAAUAAAAAAAAAAAAAAD/fwAA/38AAAAAAAAJAAAABAAAAAAAAAAeAAAAaAAAAAAAAAAAAAAAAAAAAAAAAAAAAAAAECcAABAnAAAAAAAAAAAAAAAAAAAAAAAAAAAAAAAAAAAAAAAAAAAAABQAAAAAAAAAwMD/AAAAAABkAAAAMgAAAAAAAABkAAAAAAAAAH9/fwAKAAAAIgAAABgAAAAAAAAAAAAAAAAAAAAAAAAAAAAAAAAAAAAkAAAAJAAAAAAAAAAHAAAAAAAAAAAAAAAAAAAAAAAAAAAAAAAAAAAAf39/ACUAAABYAAAAAAAAAAAAAAAAAAAAAAAAAAAAAAAAAAAAAAAAAAAAAAAAAAAAAAAAAAAAAAA/AAAAAAAAAKCGAQAAAAAAAAAAAAAAAAAMAAAAAQAAAAAAAAAAAAAAAAAAAB8AAABUAAAAAAAABQAAAAEAAAAAAAAAAAAAAAAAAAAAAAAAAAAAAAAAAAAAAAAAAAAAAAJ/f38AAAAAA8zMzADAwP8Af39/AAAAAAAAAAAAAAAAAAAAAAAAAAAAIQAAABgAAAAUAAAACAcAADgEAAAoIwAAUBkAABAAAAAmAAAACAAAAP////8AAAAAMAAAABQAAAAAAAAAAAD//wAAAQAAAP//AAABAA=="/>
+                <pr:smNativeData xmlns="smNativeData" xmlns:pr="smNativeData" xmlns:p15="http://schemas.microsoft.com/office/powerpoint/2012/main" xmlns:p14="http://schemas.microsoft.com/office/powerpoint/2010/main" xmlns:mc="http://schemas.openxmlformats.org/markup-compatibility/2006" val="SMDATA_16_xzE7ZxMAAAAlAAAAZAAAAA8BAAAAkAAAAEgAAACQAAAASAAAAAAAAAABAAAAAAAAAAEAAABQAAAAAAAAAAAA4D8AAAAAAADgPwAAAAAAAOA/AAAAAAAA4D8AAAAAAADgPwAAAAAAAOA/AAAAAAAA4D8AAAAAAADgPwAAAAAAAOA/AAAAAAAA4D8CAAAAjAAAAAEAAAAAAAAARHLEDP///wgAAAAAAAAAAAAAAAAAAAAAAAAAAAAAAAAAAAAAZAAAAAEAAABAAAAAAAAAAAAAAAAAAAAAAAAAAAAAAAAAAAAAAAAAAAAAAAAAAAAAAAAAAAAAAAAAAAAAAAAAAAAAAAAAAAAAAAAAAAAAAAAAAAAAAAAAAAAAAAAAAAAAFAAAADwAAAABAAAAAAAAAAAAAAkUAAAAAQAAABQAAAAUAAAAFAAAAAEAAAAAAAAAZAAAAGQAAAAAAAAAZAAAAGQAAAAVAAAAYAAAAAAAAAAAAAAADwAAACADAAAAAAAAAAAAAAEAAACgMgAAVgcAAKr4//8BAAAAf39/AAEAAABkAAAAAAAAABQAAABAHwAAAAAAACYAAAAAAAAAwOD//wAAAAAmAAAAZAAAABYAAABMAAAAAAAAAAAAAAAEAAAAAAAAAAEAAADn5uYKAAAAACgAAAAoAAAAZAAAAGQAAAAAAAAAzMzMAAAAAABQAAAAUAAAAGQAAABkAAAAAAAAABcAAAAUAAAAAAAAAAAAAAD/fwAA/38AAAAAAAAJAAAABAAAAAAAAAAeAAAAaAAAAAAAAAAAAAAAAAAAAAAAAAAAAAAAECcAABAnAAAAAAAAAAAAAAAAAAAAAAAAAAAAAAAAAAAAAAAAAAAAABQAAAAAAAAAwMD/AAAAAABkAAAAMgAAAAAAAABkAAAAAAAAAH9/fwAKAAAAIgAAABgAAAAAAAAAAAAAAAAAAAAAAAAAAAAAAAAAAAAkAAAAJAAAAAAAAAAHAAAAAAAAAAAAAAAAAAAAAAAAAAAAAAAAAAAAf39/ACUAAABYAAAAAAAAAAAAAAAAAAAAAAAAAAAAAAAAAAAAAAAAAAAAAAAAAAAAAAAAAAAAAAA/AAAAAAAAAKCGAQAAAAAAAAAAAAAAAAAMAAAAAQAAAAAAAAAAAAAAAAAAAB8AAABUAAAAAAAABQAAAAEAAAAAAAAAAAAAAAAAAAAAAAAAAAAAAAAAAAAAAAAAAAAAAAJ/f38AAAAAA8zMzADAwP8Af39/AAAAAAAAAAAAAAAAAAAAAAAAAAAAIQAAABgAAAAUAAAACAcAADgEAAAoIwAAUBkAABAAAAAmAAAACAAAAP////8AAAAAMAAAABQAAAAAAAAAAAD//wAAAQAAAP//AAABAA=="/>
               </a:ext>
             </a:extLst>
           </p:cNvSpPr>
@@ -930,7 +930,7 @@
             <a:spLocks noGrp="1" noChangeArrowheads="1"/>
             <a:extLst>
               <a:ext uri="smNativeData">
-                <pr:smNativeData xmlns:mc="http://schemas.openxmlformats.org/markup-compatibility/2006" xmlns:p14="http://schemas.microsoft.com/office/powerpoint/2010/main" xmlns:p15="http://schemas.microsoft.com/office/powerpoint/2012/main" xmlns:pr="smNativeData" xmlns="smNativeData" val="SMDATA_16_xzE7ZxMAAAAlAAAAZAAAAA8BAAAAkAAAAEgAAACQAAAASAAAAAAAAAAAAAAAAAAAAAEAAABQAAAAAAAAAAAA4D8AAAAAAADgPwAAAAAAAOA/AAAAAAAA4D8AAAAAAADgPwAAAAAAAOA/AAAAAAAA4D8AAAAAAADgPwAAAAAAAOA/AAAAAAAA4D8CAAAAjAAAAAAAAAAAAAAARHLEDP///wgAAAAAAAAAAAAAAAAAAAAAAAAAAAAAAAAAAAAAZAAAAAEAAABAAAAAAAAAAAAAAAAAAAAAAAAAAAAAAAAAAAAAAAAAAAAAAAAAAAAAAAAAAAAAAAAAAAAAAAAAAAAAAAAAAAAAAAAAAAAAAAAAAAAAAAAAAAAAAAAAAAAAFAAAADwAAAAAAAAAAAAAAAAAAAkUAAAAAQAAABQAAAAUAAAAFAAAAAEAAAAAAAAAZAAAAGQAAAAAAAAAZAAAAGQAAAAVAAAAYAAAAAAAAAAAAAAADwAAACADAAAAAAAAAAAAAAEAAACgMgAAVgcAAKr4//8BAAAAf39/AAEAAABkAAAAAAAAABQAAABAHwAAAAAAACYAAAAAAAAAwOD//wAAAAAmAAAAZAAAABYAAABMAAAAAAAAAAAAAAAEAAAAAAAAAAEAAADn5uYKAAAAACgAAAAoAAAAZAAAAGQAAAAAAAAAzMzMAAAAAABQAAAAUAAAAGQAAABkAAAAAAAAABcAAAAUAAAAAAAAAAAAAAD/fwAA/38AAAAAAAAJAAAABAAAAAAAAAAeAAAAaAAAAAAAAAAAAAAAAAAAAAAAAAAAAAAAECcAABAnAAAAAAAAAAAAAAAAAAAAAAAAAAAAAAAAAAAAAAAAAAAAABQAAAAAAAAAwMD/AAAAAABkAAAAMgAAAAAAAABkAAAAAAAAAH9/fwAKAAAAIgAAABgAAAAAAAAAAAAAAAAAAAAAAAAAAAAAAAAAAAAkAAAAJAAAAAAAAAAHAAAAAAAAAAAAAAAAAAAAAAAAAAAAAAAAAAAAf39/ACUAAABYAAAAAAAAAAAAAAAAAAAAAAAAAAAAAAAAAAAAAAAAAAAAAAAAAAAAAAAAAAAAAAA/AAAAAAAAAKCGAQAAAAAAAAAAAAAAAAAMAAAAAQAAAAAAAAAAAAAAAAAAAB8AAABUAAAAAAAABQAAAAEAAAAAAAAAAAAAAAAAAAAAAAAAAAAAAAAAAAAAAAAAAAAAAAJ/f38AAAAAA8zMzADAwP8Af39/AAAAAAAAAAAAAAAAAAAAAAAAAAAAIQAAABgAAAAUAAAAOAQAALgaAAD4JQAACDQAABAAAAAmAAAACAAAAP////8AAAAAMAAAABQAAAAAAAAAAAD//wAAAQAAAP//AAABAA=="/>
+                <pr:smNativeData xmlns="smNativeData" xmlns:pr="smNativeData" xmlns:p15="http://schemas.microsoft.com/office/powerpoint/2012/main" xmlns:p14="http://schemas.microsoft.com/office/powerpoint/2010/main" xmlns:mc="http://schemas.openxmlformats.org/markup-compatibility/2006" val="SMDATA_16_xzE7ZxMAAAAlAAAAZAAAAA8BAAAAkAAAAEgAAACQAAAASAAAAAAAAAAAAAAAAAAAAAEAAABQAAAAAAAAAAAA4D8AAAAAAADgPwAAAAAAAOA/AAAAAAAA4D8AAAAAAADgPwAAAAAAAOA/AAAAAAAA4D8AAAAAAADgPwAAAAAAAOA/AAAAAAAA4D8CAAAAjAAAAAAAAAAAAAAARHLEDP///wgAAAAAAAAAAAAAAAAAAAAAAAAAAAAAAAAAAAAAZAAAAAEAAABAAAAAAAAAAAAAAAAAAAAAAAAAAAAAAAAAAAAAAAAAAAAAAAAAAAAAAAAAAAAAAAAAAAAAAAAAAAAAAAAAAAAAAAAAAAAAAAAAAAAAAAAAAAAAAAAAAAAAFAAAADwAAAAAAAAAAAAAAAAAAAkUAAAAAQAAABQAAAAUAAAAFAAAAAEAAAAAAAAAZAAAAGQAAAAAAAAAZAAAAGQAAAAVAAAAYAAAAAAAAAAAAAAADwAAACADAAAAAAAAAAAAAAEAAACgMgAAVgcAAKr4//8BAAAAf39/AAEAAABkAAAAAAAAABQAAABAHwAAAAAAACYAAAAAAAAAwOD//wAAAAAmAAAAZAAAABYAAABMAAAAAAAAAAAAAAAEAAAAAAAAAAEAAADn5uYKAAAAACgAAAAoAAAAZAAAAGQAAAAAAAAAzMzMAAAAAABQAAAAUAAAAGQAAABkAAAAAAAAABcAAAAUAAAAAAAAAAAAAAD/fwAA/38AAAAAAAAJAAAABAAAAAAAAAAeAAAAaAAAAAAAAAAAAAAAAAAAAAAAAAAAAAAAECcAABAnAAAAAAAAAAAAAAAAAAAAAAAAAAAAAAAAAAAAAAAAAAAAABQAAAAAAAAAwMD/AAAAAABkAAAAMgAAAAAAAABkAAAAAAAAAH9/fwAKAAAAIgAAABgAAAAAAAAAAAAAAAAAAAAAAAAAAAAAAAAAAAAkAAAAJAAAAAAAAAAHAAAAAAAAAAAAAAAAAAAAAAAAAAAAAAAAAAAAf39/ACUAAABYAAAAAAAAAAAAAAAAAAAAAAAAAAAAAAAAAAAAAAAAAAAAAAAAAAAAAAAAAAAAAAA/AAAAAAAAAKCGAQAAAAAAAAAAAAAAAAAMAAAAAQAAAAAAAAAAAAAAAAAAAB8AAABUAAAAAAAABQAAAAEAAAAAAAAAAAAAAAAAAAAAAAAAAAAAAAAAAAAAAAAAAAAAAAJ/f38AAAAAA8zMzADAwP8Af39/AAAAAAAAAAAAAAAAAAAAAAAAAAAAIQAAABgAAAAUAAAAOAQAALgaAAD4JQAACDQAABAAAAAmAAAACAAAAP////8AAAAAMAAAABQAAAAAAAAAAAD//wAAAQAAAP//AAABAA=="/>
               </a:ext>
             </a:extLst>
           </p:cNvSpPr>
@@ -1002,7 +1002,7 @@
             <a:spLocks noGrp="1" noRot="1" noChangeAspect="1" noChangeArrowheads="1"/>
             <a:extLst>
               <a:ext uri="smNativeData">
-                <pr:smNativeData xmlns:mc="http://schemas.openxmlformats.org/markup-compatibility/2006" xmlns:p14="http://schemas.microsoft.com/office/powerpoint/2010/main" xmlns:p15="http://schemas.microsoft.com/office/powerpoint/2012/main" xmlns:pr="smNativeData" xmlns="smNativeData" val="SMDATA_16_xzE7ZxMAAAAlAAAAZAAAAA8BAAAAkAAAAEgAAACQAAAASAAAAAAAAAABAAAAAAAAAAEAAABQAAAAAAAAAAAA4D8AAAAAAADgPwAAAAAAAOA/AAAAAAAA4D8AAAAAAADgPwAAAAAAAOA/AAAAAAAA4D8AAAAAAADgPwAAAAAAAOA/AAAAAAAA4D8CAAAAjAAAAAEAAAAAAAAARHLEDP///wgAAAAAAAAAAAAAAAAAAAAAAAAAAAAAAAAAAAAAZAAAAAEAAABAAAAAAAAAAAAAAAAAAAAAAAAAAAAAAAAAAAAAAAAAAAAAAAAAAAAAAAAAAAAAAAAAAAAAAAAAAAAAAAAAAAAAAAAAAAAAAAAAAAAAAAAAAAAAAAAAAAAAFAAAADwAAAABAAAAAAAAAAAAAAkUAAAAAQAAABQAAAAUAAAAFAAAAAEAAAAAAAAAZAAAAGQAAAAAAAAAZAAAAGQAAAAVAAAAYAAAAAAAAAAAAAAADwAAACADAAAAAAAAAAAAAAEAAACgMgAAVgcAAKr4//8BAAAAf39/AAEAAABkAAAAAAAAABQAAABAHwAAAAAAACYAAAAAAAAAwOD//wAAAAAmAAAAZAAAABYAAABMAAAAAAAAAAAAAAAEAAAAAAAAAAEAAADn5uYKAAAAACgAAAAoAAAAZAAAAGQAAAAAAAAAzMzMAAAAAABQAAAAUAAAAGQAAABkAAAAAAAAABcAAAAUAAAAAAAAAAAAAAD/fwAA/38AAAAAAAAJAAAABAAAAAAAAAAeAAAAaAAAAAAAAAAAAAAAAAAAAAAAAAAAAAAAECcAABAnAAAAAAAAAAAAAAAAAAAAAAAAAAAAAAAAAAAAAAAAAAAAABQAAAAAAAAAwMD/AAAAAABkAAAAMgAAAAAAAABkAAAAAAAAAH9/fwAKAAAAIgAAABgAAAAAAAAAAAAAAAAAAAAAAAAAAAAAAAAAAAAkAAAAJAAAAAAAAAAHAAAAAAAAAAAAAAAAAAAAAAAAAAAAAAAAAAAAf39/ACUAAABYAAAAAAAAAAAAAAAAAAAAAAAAAAAAAAAAAAAAAAAAAAAAAAAAAAAAAAAAAAAAAAA/AAAAAAAAAKCGAQAAAAAAAAAAAAAAAAAMAAAAAQAAAAAAAAAAAAAAAAAAAB8AAABUAAAAAAAABQAAAAEAAAAAAAAAAAAAAAAAAAAAAAAAAAAAAAAAAAAAAAAAAAAAAAJ/f38AAAAAA8zMzADAwP8Af39/AAAAAAAAAAAAAAAAAAAAAAAAAAAAIQAAABgAAAAUAAAACAcAADgEAAAoIwAAUBkAABAAAAAmAAAACAAAAP////8AAAAAMAAAABQAAAAAAAAAAAD//wAAAQAAAP//AAABAA=="/>
+                <pr:smNativeData xmlns="smNativeData" xmlns:pr="smNativeData" xmlns:p15="http://schemas.microsoft.com/office/powerpoint/2012/main" xmlns:p14="http://schemas.microsoft.com/office/powerpoint/2010/main" xmlns:mc="http://schemas.openxmlformats.org/markup-compatibility/2006" val="SMDATA_16_xzE7ZxMAAAAlAAAAZAAAAA8BAAAAkAAAAEgAAACQAAAASAAAAAAAAAABAAAAAAAAAAEAAABQAAAAAAAAAAAA4D8AAAAAAADgPwAAAAAAAOA/AAAAAAAA4D8AAAAAAADgPwAAAAAAAOA/AAAAAAAA4D8AAAAAAADgPwAAAAAAAOA/AAAAAAAA4D8CAAAAjAAAAAEAAAAAAAAARHLEDP///wgAAAAAAAAAAAAAAAAAAAAAAAAAAAAAAAAAAAAAZAAAAAEAAABAAAAAAAAAAAAAAAAAAAAAAAAAAAAAAAAAAAAAAAAAAAAAAAAAAAAAAAAAAAAAAAAAAAAAAAAAAAAAAAAAAAAAAAAAAAAAAAAAAAAAAAAAAAAAAAAAAAAAFAAAADwAAAABAAAAAAAAAAAAAAkUAAAAAQAAABQAAAAUAAAAFAAAAAEAAAAAAAAAZAAAAGQAAAAAAAAAZAAAAGQAAAAVAAAAYAAAAAAAAAAAAAAADwAAACADAAAAAAAAAAAAAAEAAACgMgAAVgcAAKr4//8BAAAAf39/AAEAAABkAAAAAAAAABQAAABAHwAAAAAAACYAAAAAAAAAwOD//wAAAAAmAAAAZAAAABYAAABMAAAAAAAAAAAAAAAEAAAAAAAAAAEAAADn5uYKAAAAACgAAAAoAAAAZAAAAGQAAAAAAAAAzMzMAAAAAABQAAAAUAAAAGQAAABkAAAAAAAAABcAAAAUAAAAAAAAAAAAAAD/fwAA/38AAAAAAAAJAAAABAAAAAAAAAAeAAAAaAAAAAAAAAAAAAAAAAAAAAAAAAAAAAAAECcAABAnAAAAAAAAAAAAAAAAAAAAAAAAAAAAAAAAAAAAAAAAAAAAABQAAAAAAAAAwMD/AAAAAABkAAAAMgAAAAAAAABkAAAAAAAAAH9/fwAKAAAAIgAAABgAAAAAAAAAAAAAAAAAAAAAAAAAAAAAAAAAAAAkAAAAJAAAAAAAAAAHAAAAAAAAAAAAAAAAAAAAAAAAAAAAAAAAAAAAf39/ACUAAABYAAAAAAAAAAAAAAAAAAAAAAAAAAAAAAAAAAAAAAAAAAAAAAAAAAAAAAAAAAAAAAA/AAAAAAAAAKCGAQAAAAAAAAAAAAAAAAAMAAAAAQAAAAAAAAAAAAAAAAAAAB8AAABUAAAAAAAABQAAAAEAAAAAAAAAAAAAAAAAAAAAAAAAAAAAAAAAAAAAAAAAAAAAAAJ/f38AAAAAA8zMzADAwP8Af39/AAAAAAAAAAAAAAAAAAAAAAAAAAAAIQAAABgAAAAUAAAACAcAADgEAAAoIwAAUBkAABAAAAAmAAAACAAAAP////8AAAAAMAAAABQAAAAAAAAAAAD//wAAAQAAAP//AAABAA=="/>
               </a:ext>
             </a:extLst>
           </p:cNvSpPr>
@@ -1027,7 +1027,7 @@
             <a:spLocks noGrp="1" noChangeArrowheads="1"/>
             <a:extLst>
               <a:ext uri="smNativeData">
-                <pr:smNativeData xmlns:mc="http://schemas.openxmlformats.org/markup-compatibility/2006" xmlns:p14="http://schemas.microsoft.com/office/powerpoint/2010/main" xmlns:p15="http://schemas.microsoft.com/office/powerpoint/2012/main" xmlns:pr="smNativeData" xmlns="smNativeData" val="SMDATA_16_xzE7ZxMAAAAlAAAAZAAAAA8BAAAAkAAAAEgAAACQAAAASAAAAAAAAAAAAAAAAAAAAAEAAABQAAAAAAAAAAAA4D8AAAAAAADgPwAAAAAAAOA/AAAAAAAA4D8AAAAAAADgPwAAAAAAAOA/AAAAAAAA4D8AAAAAAADgPwAAAAAAAOA/AAAAAAAA4D8CAAAAjAAAAAAAAAAAAAAARHLEDP///wgAAAAAAAAAAAAAAAAAAAAAAAAAAAAAAAAAAAAAZAAAAAEAAABAAAAAAAAAAAAAAAAAAAAAAAAAAAAAAAAAAAAAAAAAAAAAAAAAAAAAAAAAAAAAAAAAAAAAAAAAAAAAAAAAAAAAAAAAAAAAAAAAAAAAAAAAAAAAAAAAAAAAFAAAADwAAAAAAAAAAAAAAAAAAAkUAAAAAQAAABQAAAAUAAAAFAAAAAEAAAAAAAAAZAAAAGQAAAAAAAAAZAAAAGQAAAAVAAAAYAAAAAAAAAAAAAAADwAAACADAAAAAAAAAAAAAAEAAACgMgAAVgcAAKr4//8BAAAAf39/AAEAAABkAAAAAAAAABQAAABAHwAAAAAAACYAAAAAAAAAwOD//wAAAAAmAAAAZAAAABYAAABMAAAAAAAAAAAAAAAEAAAAAAAAAAEAAADn5uYKAAAAACgAAAAoAAAAZAAAAGQAAAAAAAAAzMzMAAAAAABQAAAAUAAAAGQAAABkAAAAAAAAABcAAAAUAAAAAAAAAAAAAAD/fwAA/38AAAAAAAAJAAAABAAAAAAAAAAeAAAAaAAAAAAAAAAAAAAAAAAAAAAAAAAAAAAAECcAABAnAAAAAAAAAAAAAAAAAAAAAAAAAAAAAAAAAAAAAAAAAAAAABQAAAAAAAAAwMD/AAAAAABkAAAAMgAAAAAAAABkAAAAAAAAAH9/fwAKAAAAIgAAABgAAAAAAAAAAAAAAAAAAAAAAAAAAAAAAAAAAAAkAAAAJAAAAAAAAAAHAAAAAAAAAAAAAAAAAAAAAAAAAAAAAAAAAAAAf39/ACUAAABYAAAAAAAAAAAAAAAAAAAAAAAAAAAAAAAAAAAAAAAAAAAAAAAAAAAAAAAAAAAAAAA/AAAAAAAAAKCGAQAAAAAAAAAAAAAAAAAMAAAAAQAAAAAAAAAAAAAAAAAAAB8AAABUAAAAAAAABQAAAAEAAAAAAAAAAAAAAAAAAAAAAAAAAAAAAAAAAAAAAAAAAAAAAAJ/f38AAAAAA8zMzADAwP8Af39/AAAAAAAAAAAAAAAAAAAAAAAAAAAAIQAAABgAAAAUAAAAOAQAALgaAAD4JQAACDQAABAAAAAmAAAACAAAAP////8AAAAAMAAAABQAAAAAAAAAAAD//wAAAQAAAP//AAABAA=="/>
+                <pr:smNativeData xmlns="smNativeData" xmlns:pr="smNativeData" xmlns:p15="http://schemas.microsoft.com/office/powerpoint/2012/main" xmlns:p14="http://schemas.microsoft.com/office/powerpoint/2010/main" xmlns:mc="http://schemas.openxmlformats.org/markup-compatibility/2006" val="SMDATA_16_xzE7ZxMAAAAlAAAAZAAAAA8BAAAAkAAAAEgAAACQAAAASAAAAAAAAAAAAAAAAAAAAAEAAABQAAAAAAAAAAAA4D8AAAAAAADgPwAAAAAAAOA/AAAAAAAA4D8AAAAAAADgPwAAAAAAAOA/AAAAAAAA4D8AAAAAAADgPwAAAAAAAOA/AAAAAAAA4D8CAAAAjAAAAAAAAAAAAAAARHLEDP///wgAAAAAAAAAAAAAAAAAAAAAAAAAAAAAAAAAAAAAZAAAAAEAAABAAAAAAAAAAAAAAAAAAAAAAAAAAAAAAAAAAAAAAAAAAAAAAAAAAAAAAAAAAAAAAAAAAAAAAAAAAAAAAAAAAAAAAAAAAAAAAAAAAAAAAAAAAAAAAAAAAAAAFAAAADwAAAAAAAAAAAAAAAAAAAkUAAAAAQAAABQAAAAUAAAAFAAAAAEAAAAAAAAAZAAAAGQAAAAAAAAAZAAAAGQAAAAVAAAAYAAAAAAAAAAAAAAADwAAACADAAAAAAAAAAAAAAEAAACgMgAAVgcAAKr4//8BAAAAf39/AAEAAABkAAAAAAAAABQAAABAHwAAAAAAACYAAAAAAAAAwOD//wAAAAAmAAAAZAAAABYAAABMAAAAAAAAAAAAAAAEAAAAAAAAAAEAAADn5uYKAAAAACgAAAAoAAAAZAAAAGQAAAAAAAAAzMzMAAAAAABQAAAAUAAAAGQAAABkAAAAAAAAABcAAAAUAAAAAAAAAAAAAAD/fwAA/38AAAAAAAAJAAAABAAAAAAAAAAeAAAAaAAAAAAAAAAAAAAAAAAAAAAAAAAAAAAAECcAABAnAAAAAAAAAAAAAAAAAAAAAAAAAAAAAAAAAAAAAAAAAAAAABQAAAAAAAAAwMD/AAAAAABkAAAAMgAAAAAAAABkAAAAAAAAAH9/fwAKAAAAIgAAABgAAAAAAAAAAAAAAAAAAAAAAAAAAAAAAAAAAAAkAAAAJAAAAAAAAAAHAAAAAAAAAAAAAAAAAAAAAAAAAAAAAAAAAAAAf39/ACUAAABYAAAAAAAAAAAAAAAAAAAAAAAAAAAAAAAAAAAAAAAAAAAAAAAAAAAAAAAAAAAAAAA/AAAAAAAAAKCGAQAAAAAAAAAAAAAAAAAMAAAAAQAAAAAAAAAAAAAAAAAAAB8AAABUAAAAAAAABQAAAAEAAAAAAAAAAAAAAAAAAAAAAAAAAAAAAAAAAAAAAAAAAAAAAAJ/f38AAAAAA8zMzADAwP8Af39/AAAAAAAAAAAAAAAAAAAAAAAAAAAAIQAAABgAAAAUAAAAOAQAALgaAAD4JQAACDQAABAAAAAmAAAACAAAAP////8AAAAAMAAAABQAAAAAAAAAAAD//wAAAQAAAP//AAABAA=="/>
               </a:ext>
             </a:extLst>
           </p:cNvSpPr>
@@ -1099,7 +1099,7 @@
             <a:spLocks noGrp="1" noRot="1" noChangeAspect="1" noChangeArrowheads="1"/>
             <a:extLst>
               <a:ext uri="smNativeData">
-                <pr:smNativeData xmlns:mc="http://schemas.openxmlformats.org/markup-compatibility/2006" xmlns:p14="http://schemas.microsoft.com/office/powerpoint/2010/main" xmlns:p15="http://schemas.microsoft.com/office/powerpoint/2012/main" xmlns:pr="smNativeData" xmlns="smNativeData" val="SMDATA_16_xzE7ZxMAAAAlAAAAZAAAAA8BAAAAkAAAAEgAAACQAAAASAAAAAAAAAABAAAAAAAAAAEAAABQAAAAAAAAAAAA4D8AAAAAAADgPwAAAAAAAOA/AAAAAAAA4D8AAAAAAADgPwAAAAAAAOA/AAAAAAAA4D8AAAAAAADgPwAAAAAAAOA/AAAAAAAA4D8CAAAAjAAAAAEAAAAAAAAARHLEDP///wgAAAAAAAAAAAAAAAAAAAAAAAAAAAAAAAAAAAAAZAAAAAEAAABAAAAAAAAAAAAAAAAAAAAAAAAAAAAAAAAAAAAAAAAAAAAAAAAAAAAAAAAAAAAAAAAAAAAAAAAAAAAAAAAAAAAAAAAAAAAAAAAAAAAAAAAAAAAAAAAAAAAAFAAAADwAAAABAAAAAAAAAAAAAAkUAAAAAQAAABQAAAAUAAAAFAAAAAEAAAAAAAAAZAAAAGQAAAAAAAAAZAAAAGQAAAAVAAAAYAAAAAAAAAAAAAAADwAAACADAAAAAAAAAAAAAAEAAACgMgAAVgcAAKr4//8BAAAAf39/AAEAAABkAAAAAAAAABQAAABAHwAAAAAAACYAAAAAAAAAwOD//wAAAAAmAAAAZAAAABYAAABMAAAAAAAAAAAAAAAEAAAAAAAAAAEAAADn5uYKAAAAACgAAAAoAAAAZAAAAGQAAAAAAAAAzMzMAAAAAABQAAAAUAAAAGQAAABkAAAAAAAAABcAAAAUAAAAAAAAAAAAAAD/fwAA/38AAAAAAAAJAAAABAAAAAAAAAAeAAAAaAAAAAAAAAAAAAAAAAAAAAAAAAAAAAAAECcAABAnAAAAAAAAAAAAAAAAAAAAAAAAAAAAAAAAAAAAAAAAAAAAABQAAAAAAAAAwMD/AAAAAABkAAAAMgAAAAAAAABkAAAAAAAAAH9/fwAKAAAAIgAAABgAAAAAAAAAAAAAAAAAAAAAAAAAAAAAAAAAAAAkAAAAJAAAAAAAAAAHAAAAAAAAAAAAAAAAAAAAAAAAAAAAAAAAAAAAf39/ACUAAABYAAAAAAAAAAAAAAAAAAAAAAAAAAAAAAAAAAAAAAAAAAAAAAAAAAAAAAAAAAAAAAA/AAAAAAAAAKCGAQAAAAAAAAAAAAAAAAAMAAAAAQAAAAAAAAAAAAAAAAAAAB8AAABUAAAAAAAABQAAAAEAAAAAAAAAAAAAAAAAAAAAAAAAAAAAAAAAAAAAAAAAAAAAAAJ/f38AAAAAA8zMzADAwP8Af39/AAAAAAAAAAAAAAAAAAAAAAAAAAAAIQAAABgAAAAUAAAACAcAADgEAAAoIwAAUBkAABAAAAAmAAAACAAAAP////8AAAAAMAAAABQAAAAAAAAAAAD//wAAAQAAAP//AAABAA=="/>
+                <pr:smNativeData xmlns="smNativeData" xmlns:pr="smNativeData" xmlns:p15="http://schemas.microsoft.com/office/powerpoint/2012/main" xmlns:p14="http://schemas.microsoft.com/office/powerpoint/2010/main" xmlns:mc="http://schemas.openxmlformats.org/markup-compatibility/2006" val="SMDATA_16_xzE7ZxMAAAAlAAAAZAAAAA8BAAAAkAAAAEgAAACQAAAASAAAAAAAAAABAAAAAAAAAAEAAABQAAAAAAAAAAAA4D8AAAAAAADgPwAAAAAAAOA/AAAAAAAA4D8AAAAAAADgPwAAAAAAAOA/AAAAAAAA4D8AAAAAAADgPwAAAAAAAOA/AAAAAAAA4D8CAAAAjAAAAAEAAAAAAAAARHLEDP///wgAAAAAAAAAAAAAAAAAAAAAAAAAAAAAAAAAAAAAZAAAAAEAAABAAAAAAAAAAAAAAAAAAAAAAAAAAAAAAAAAAAAAAAAAAAAAAAAAAAAAAAAAAAAAAAAAAAAAAAAAAAAAAAAAAAAAAAAAAAAAAAAAAAAAAAAAAAAAAAAAAAAAFAAAADwAAAABAAAAAAAAAAAAAAkUAAAAAQAAABQAAAAUAAAAFAAAAAEAAAAAAAAAZAAAAGQAAAAAAAAAZAAAAGQAAAAVAAAAYAAAAAAAAAAAAAAADwAAACADAAAAAAAAAAAAAAEAAACgMgAAVgcAAKr4//8BAAAAf39/AAEAAABkAAAAAAAAABQAAABAHwAAAAAAACYAAAAAAAAAwOD//wAAAAAmAAAAZAAAABYAAABMAAAAAAAAAAAAAAAEAAAAAAAAAAEAAADn5uYKAAAAACgAAAAoAAAAZAAAAGQAAAAAAAAAzMzMAAAAAABQAAAAUAAAAGQAAABkAAAAAAAAABcAAAAUAAAAAAAAAAAAAAD/fwAA/38AAAAAAAAJAAAABAAAAAAAAAAeAAAAaAAAAAAAAAAAAAAAAAAAAAAAAAAAAAAAECcAABAnAAAAAAAAAAAAAAAAAAAAAAAAAAAAAAAAAAAAAAAAAAAAABQAAAAAAAAAwMD/AAAAAABkAAAAMgAAAAAAAABkAAAAAAAAAH9/fwAKAAAAIgAAABgAAAAAAAAAAAAAAAAAAAAAAAAAAAAAAAAAAAAkAAAAJAAAAAAAAAAHAAAAAAAAAAAAAAAAAAAAAAAAAAAAAAAAAAAAf39/ACUAAABYAAAAAAAAAAAAAAAAAAAAAAAAAAAAAAAAAAAAAAAAAAAAAAAAAAAAAAAAAAAAAAA/AAAAAAAAAKCGAQAAAAAAAAAAAAAAAAAMAAAAAQAAAAAAAAAAAAAAAAAAAB8AAABUAAAAAAAABQAAAAEAAAAAAAAAAAAAAAAAAAAAAAAAAAAAAAAAAAAAAAAAAAAAAAJ/f38AAAAAA8zMzADAwP8Af39/AAAAAAAAAAAAAAAAAAAAAAAAAAAAIQAAABgAAAAUAAAACAcAADgEAAAoIwAAUBkAABAAAAAmAAAACAAAAP////8AAAAAMAAAABQAAAAAAAAAAAD//wAAAQAAAP//AAABAA=="/>
               </a:ext>
             </a:extLst>
           </p:cNvSpPr>
@@ -1124,7 +1124,7 @@
             <a:spLocks noGrp="1" noChangeArrowheads="1"/>
             <a:extLst>
               <a:ext uri="smNativeData">
-                <pr:smNativeData xmlns:mc="http://schemas.openxmlformats.org/markup-compatibility/2006" xmlns:p14="http://schemas.microsoft.com/office/powerpoint/2010/main" xmlns:p15="http://schemas.microsoft.com/office/powerpoint/2012/main" xmlns:pr="smNativeData" xmlns="smNativeData" val="SMDATA_16_xzE7ZxMAAAAlAAAAZAAAAA8BAAAAkAAAAEgAAACQAAAASAAAAAAAAAAAAAAAAAAAAAEAAABQAAAAAAAAAAAA4D8AAAAAAADgPwAAAAAAAOA/AAAAAAAA4D8AAAAAAADgPwAAAAAAAOA/AAAAAAAA4D8AAAAAAADgPwAAAAAAAOA/AAAAAAAA4D8CAAAAjAAAAAAAAAAAAAAARHLEDP///wgAAAAAAAAAAAAAAAAAAAAAAAAAAAAAAAAAAAAAZAAAAAEAAABAAAAAAAAAAAAAAAAAAAAAAAAAAAAAAAAAAAAAAAAAAAAAAAAAAAAAAAAAAAAAAAAAAAAAAAAAAAAAAAAAAAAAAAAAAAAAAAAAAAAAAAAAAAAAAAAAAAAAFAAAADwAAAAAAAAAAAAAAAAAAAkUAAAAAQAAABQAAAAUAAAAFAAAAAEAAAAAAAAAZAAAAGQAAAAAAAAAZAAAAGQAAAAVAAAAYAAAAAAAAAAAAAAADwAAACADAAAAAAAAAAAAAAEAAACgMgAAVgcAAKr4//8BAAAAf39/AAEAAABkAAAAAAAAABQAAABAHwAAAAAAACYAAAAAAAAAwOD//wAAAAAmAAAAZAAAABYAAABMAAAAAAAAAAAAAAAEAAAAAAAAAAEAAADn5uYKAAAAACgAAAAoAAAAZAAAAGQAAAAAAAAAzMzMAAAAAABQAAAAUAAAAGQAAABkAAAAAAAAABcAAAAUAAAAAAAAAAAAAAD/fwAA/38AAAAAAAAJAAAABAAAALCOc7seAAAAaAAAAAAAAAAAAAAAAAAAAAAAAAAAAAAAECcAABAnAAAAAAAAAAAAAAAAAAAAAAAAAAAAAAAAAAAAAAAAAAAAABQAAAAAAAAAwMD/AAAAAABkAAAAMgAAAAAAAABkAAAAAAAAAH9/fwAKAAAAIgAAABgAAAAAAAAAAAAAAAAAAAAAAAAAAAAAAAAAAAAkAAAAJAAAAAAAAAAHAAAAAAAAAAAAAAAAAAAAAAAAAAAAAAAAAAAAf39/ACUAAABYAAAAAAAAAAAAAAAAAAAAAAAAAAAAAAAAAAAAAAAAAAAAAAAAAAAAAAAAAAAAAAA/AAAAAAAAAKCGAQAAAAAAAAAAAAAAAAAMAAAAAQAAAAAAAAAAAAAAAAAAAB8AAABUAAAAAAAABQAAAAEAAAAAAAAAAAAAAAAAAAAAAAAAAAAAAAAAAAAAAAAAAAAAAAJ/f38AAAAAA8zMzADAwP8Af39/AAAAAAAAAAAAAAAAAAAAAAAAAAAAIQAAABgAAAAUAAAAOAQAALgaAAD4JQAACDQAABAAAAAmAAAACAAAAP////8AAAAAMAAAABQAAAAAAAAAAAD//wAAAQAAAP//AAABAA=="/>
+                <pr:smNativeData xmlns="smNativeData" xmlns:pr="smNativeData" xmlns:p15="http://schemas.microsoft.com/office/powerpoint/2012/main" xmlns:p14="http://schemas.microsoft.com/office/powerpoint/2010/main" xmlns:mc="http://schemas.openxmlformats.org/markup-compatibility/2006" val="SMDATA_16_xzE7ZxMAAAAlAAAAZAAAAA8BAAAAkAAAAEgAAACQAAAASAAAAAAAAAAAAAAAAAAAAAEAAABQAAAAAAAAAAAA4D8AAAAAAADgPwAAAAAAAOA/AAAAAAAA4D8AAAAAAADgPwAAAAAAAOA/AAAAAAAA4D8AAAAAAADgPwAAAAAAAOA/AAAAAAAA4D8CAAAAjAAAAAAAAAAAAAAARHLEDP///wgAAAAAAAAAAAAAAAAAAAAAAAAAAAAAAAAAAAAAZAAAAAEAAABAAAAAAAAAAAAAAAAAAAAAAAAAAAAAAAAAAAAAAAAAAAAAAAAAAAAAAAAAAAAAAAAAAAAAAAAAAAAAAAAAAAAAAAAAAAAAAAAAAAAAAAAAAAAAAAAAAAAAFAAAADwAAAAAAAAAAAAAAAAAAAkUAAAAAQAAABQAAAAUAAAAFAAAAAEAAAAAAAAAZAAAAGQAAAAAAAAAZAAAAGQAAAAVAAAAYAAAAAAAAAAAAAAADwAAACADAAAAAAAAAAAAAAEAAACgMgAAVgcAAKr4//8BAAAAf39/AAEAAABkAAAAAAAAABQAAABAHwAAAAAAACYAAAAAAAAAwOD//wAAAAAmAAAAZAAAABYAAABMAAAAAAAAAAAAAAAEAAAAAAAAAAEAAADn5uYKAAAAACgAAAAoAAAAZAAAAGQAAAAAAAAAzMzMAAAAAABQAAAAUAAAAGQAAABkAAAAAAAAABcAAAAUAAAAAAAAAAAAAAD/fwAA/38AAAAAAAAJAAAABAAAALCOc7seAAAAaAAAAAAAAAAAAAAAAAAAAAAAAAAAAAAAECcAABAnAAAAAAAAAAAAAAAAAAAAAAAAAAAAAAAAAAAAAAAAAAAAABQAAAAAAAAAwMD/AAAAAABkAAAAMgAAAAAAAABkAAAAAAAAAH9/fwAKAAAAIgAAABgAAAAAAAAAAAAAAAAAAAAAAAAAAAAAAAAAAAAkAAAAJAAAAAAAAAAHAAAAAAAAAAAAAAAAAAAAAAAAAAAAAAAAAAAAf39/ACUAAABYAAAAAAAAAAAAAAAAAAAAAAAAAAAAAAAAAAAAAAAAAAAAAAAAAAAAAAAAAAAAAAA/AAAAAAAAAKCGAQAAAAAAAAAAAAAAAAAMAAAAAQAAAAAAAAAAAAAAAAAAAB8AAABUAAAAAAAABQAAAAEAAAAAAAAAAAAAAAAAAAAAAAAAAAAAAAAAAAAAAAAAAAAAAAJ/f38AAAAAA8zMzADAwP8Af39/AAAAAAAAAAAAAAAAAAAAAAAAAAAAIQAAABgAAAAUAAAAOAQAALgaAAD4JQAACDQAABAAAAAmAAAACAAAAP////8AAAAAMAAAABQAAAAAAAAAAAD//wAAAQAAAP//AAABAA=="/>
               </a:ext>
             </a:extLst>
           </p:cNvSpPr>
@@ -1196,7 +1196,7 @@
             <a:spLocks noGrp="1" noRot="1" noChangeAspect="1" noChangeArrowheads="1"/>
             <a:extLst>
               <a:ext uri="smNativeData">
-                <pr:smNativeData xmlns:mc="http://schemas.openxmlformats.org/markup-compatibility/2006" xmlns:p14="http://schemas.microsoft.com/office/powerpoint/2010/main" xmlns:p15="http://schemas.microsoft.com/office/powerpoint/2012/main" xmlns:pr="smNativeData" xmlns="smNativeData" val="SMDATA_16_xzE7ZxMAAAAlAAAAZAAAAA8BAAAAkAAAAEgAAACQAAAASAAAAAAAAAABAAAAAAAAAAEAAABQAAAAAAAAAAAA4D8AAAAAAADgPwAAAAAAAOA/AAAAAAAA4D8AAAAAAADgPwAAAAAAAOA/AAAAAAAA4D8AAAAAAADgPwAAAAAAAOA/AAAAAAAA4D8CAAAAjAAAAAEAAAAAAAAARHLEDP///wgAAAAAAAAAAAAAAAAAAAAAAAAAAAAAAAAAAAAAZAAAAAEAAABAAAAAAAAAAAAAAAAAAAAAAAAAAAAAAAAAAAAAAAAAAAAAAAAAAAAAAAAAAAAAAAAAAAAAAAAAAAAAAAAAAAAAAAAAAAAAAAAAAAAAAAAAAAAAAAAAAAAAFAAAADwAAAABAAAAAAAAAAAAAAkUAAAAAQAAABQAAAAUAAAAFAAAAAEAAAAAAAAAZAAAAGQAAAAAAAAAZAAAAGQAAAAVAAAAYAAAAAAAAAAAAAAADwAAACADAAAAAAAAAAAAAAEAAACgMgAAVgcAAKr4//8BAAAAf39/AAEAAABkAAAAAAAAABQAAABAHwAAAAAAACYAAAAAAAAAwOD//wAAAAAmAAAAZAAAABYAAABMAAAAAAAAAAAAAAAEAAAAAAAAAAEAAADn5uYKAAAAACgAAAAoAAAAZAAAAGQAAAAAAAAAzMzMAAAAAABQAAAAUAAAAGQAAABkAAAAAAAAABcAAAAUAAAAAAAAAAAAAAD/fwAA/38AAAAAAAAJAAAABAAAAAAAAAAeAAAAaAAAAAAAAAAAAAAAAAAAAAAAAAAAAAAAECcAABAnAAAAAAAAAAAAAAAAAAAAAAAAAAAAAAAAAAAAAAAAAAAAABQAAAAAAAAAwMD/AAAAAABkAAAAMgAAAAAAAABkAAAAAAAAAH9/fwAKAAAAIgAAABgAAAAAAAAAAAAAAAAAAAAAAAAAAAAAAAAAAAAkAAAAJAAAAAAAAAAHAAAAAAAAAAAAAAAAAAAAAAAAAAAAAAAAAAAAf39/ACUAAABYAAAAAAAAAAAAAAAAAAAAAAAAAAAAAAAAAAAAAAAAAAAAAAAAAAAAAAAAAAAAAAA/AAAAAAAAAKCGAQAAAAAAAAAAAAAAAAAMAAAAAQAAAAAAAAAAAAAAAAAAAB8AAABUAAAAAAAABQAAAAEAAAAAAAAAAAAAAAAAAAAAAAAAAAAAAAAAAAAAAAAAAAAAAAJ/f38AAAAAA8zMzADAwP8Af39/AAAAAAAAAAAAAAAAAAAAAAAAAAAAIQAAABgAAAAUAAAACAcAADgEAAAoIwAAUBkAABAAAAAmAAAACAAAAP////8AAAAAMAAAABQAAAAAAAAAAAD//wAAAQAAAP//AAABAA=="/>
+                <pr:smNativeData xmlns="smNativeData" xmlns:pr="smNativeData" xmlns:p15="http://schemas.microsoft.com/office/powerpoint/2012/main" xmlns:p14="http://schemas.microsoft.com/office/powerpoint/2010/main" xmlns:mc="http://schemas.openxmlformats.org/markup-compatibility/2006" val="SMDATA_16_xzE7ZxMAAAAlAAAAZAAAAA8BAAAAkAAAAEgAAACQAAAASAAAAAAAAAABAAAAAAAAAAEAAABQAAAAAAAAAAAA4D8AAAAAAADgPwAAAAAAAOA/AAAAAAAA4D8AAAAAAADgPwAAAAAAAOA/AAAAAAAA4D8AAAAAAADgPwAAAAAAAOA/AAAAAAAA4D8CAAAAjAAAAAEAAAAAAAAARHLEDP///wgAAAAAAAAAAAAAAAAAAAAAAAAAAAAAAAAAAAAAZAAAAAEAAABAAAAAAAAAAAAAAAAAAAAAAAAAAAAAAAAAAAAAAAAAAAAAAAAAAAAAAAAAAAAAAAAAAAAAAAAAAAAAAAAAAAAAAAAAAAAAAAAAAAAAAAAAAAAAAAAAAAAAFAAAADwAAAABAAAAAAAAAAAAAAkUAAAAAQAAABQAAAAUAAAAFAAAAAEAAAAAAAAAZAAAAGQAAAAAAAAAZAAAAGQAAAAVAAAAYAAAAAAAAAAAAAAADwAAACADAAAAAAAAAAAAAAEAAACgMgAAVgcAAKr4//8BAAAAf39/AAEAAABkAAAAAAAAABQAAABAHwAAAAAAACYAAAAAAAAAwOD//wAAAAAmAAAAZAAAABYAAABMAAAAAAAAAAAAAAAEAAAAAAAAAAEAAADn5uYKAAAAACgAAAAoAAAAZAAAAGQAAAAAAAAAzMzMAAAAAABQAAAAUAAAAGQAAABkAAAAAAAAABcAAAAUAAAAAAAAAAAAAAD/fwAA/38AAAAAAAAJAAAABAAAAAAAAAAeAAAAaAAAAAAAAAAAAAAAAAAAAAAAAAAAAAAAECcAABAnAAAAAAAAAAAAAAAAAAAAAAAAAAAAAAAAAAAAAAAAAAAAABQAAAAAAAAAwMD/AAAAAABkAAAAMgAAAAAAAABkAAAAAAAAAH9/fwAKAAAAIgAAABgAAAAAAAAAAAAAAAAAAAAAAAAAAAAAAAAAAAAkAAAAJAAAAAAAAAAHAAAAAAAAAAAAAAAAAAAAAAAAAAAAAAAAAAAAf39/ACUAAABYAAAAAAAAAAAAAAAAAAAAAAAAAAAAAAAAAAAAAAAAAAAAAAAAAAAAAAAAAAAAAAA/AAAAAAAAAKCGAQAAAAAAAAAAAAAAAAAMAAAAAQAAAAAAAAAAAAAAAAAAAB8AAABUAAAAAAAABQAAAAEAAAAAAAAAAAAAAAAAAAAAAAAAAAAAAAAAAAAAAAAAAAAAAAJ/f38AAAAAA8zMzADAwP8Af39/AAAAAAAAAAAAAAAAAAAAAAAAAAAAIQAAABgAAAAUAAAACAcAADgEAAAoIwAAUBkAABAAAAAmAAAACAAAAP////8AAAAAMAAAABQAAAAAAAAAAAD//wAAAQAAAP//AAABAA=="/>
               </a:ext>
             </a:extLst>
           </p:cNvSpPr>
@@ -1221,7 +1221,7 @@
             <a:spLocks noGrp="1" noChangeArrowheads="1"/>
             <a:extLst>
               <a:ext uri="smNativeData">
-                <pr:smNativeData xmlns:mc="http://schemas.openxmlformats.org/markup-compatibility/2006" xmlns:p14="http://schemas.microsoft.com/office/powerpoint/2010/main" xmlns:p15="http://schemas.microsoft.com/office/powerpoint/2012/main" xmlns:pr="smNativeData" xmlns="smNativeData" val="SMDATA_16_xzE7ZxMAAAAlAAAAZAAAAA8BAAAAkAAAAEgAAACQAAAASAAAAAAAAAAAAAAAAAAAAAEAAABQAAAAAAAAAAAA4D8AAAAAAADgPwAAAAAAAOA/AAAAAAAA4D8AAAAAAADgPwAAAAAAAOA/AAAAAAAA4D8AAAAAAADgPwAAAAAAAOA/AAAAAAAA4D8CAAAAjAAAAAAAAAAAAAAARHLEDP///wgAAAAAAAAAAAAAAAAAAAAAAAAAAAAAAAAAAAAAZAAAAAEAAABAAAAAAAAAAAAAAAAAAAAAAAAAAAAAAAAAAAAAAAAAAAAAAAAAAAAAAAAAAAAAAAAAAAAAAAAAAAAAAAAAAAAAAAAAAAAAAAAAAAAAAAAAAAAAAAAAAAAAFAAAADwAAAAAAAAAAAAAAAAAAAkUAAAAAQAAABQAAAAUAAAAFAAAAAEAAAAAAAAAZAAAAGQAAAAAAAAAZAAAAGQAAAAVAAAAYAAAAAAAAAAAAAAADwAAACADAAAAAAAAAAAAAAEAAACgMgAAVgcAAKr4//8BAAAAf39/AAEAAABkAAAAAAAAABQAAABAHwAAAAAAACYAAAAAAAAAwOD//wAAAAAmAAAAZAAAABYAAABMAAAAAAAAAAAAAAAEAAAAAAAAAAEAAADn5uYKAAAAACgAAAAoAAAAZAAAAGQAAAAAAAAAzMzMAAAAAABQAAAAUAAAAGQAAABkAAAAAAAAABcAAAAUAAAAAAAAAAAAAAD/fwAA/38AAAAAAAAJAAAABAAAAAAAAAAeAAAAaAAAAAAAAAAAAAAAAAAAAAAAAAAAAAAAECcAABAnAAAAAAAAAAAAAAAAAAAAAAAAAAAAAAAAAAAAAAAAAAAAABQAAAAAAAAAwMD/AAAAAABkAAAAMgAAAAAAAABkAAAAAAAAAH9/fwAKAAAAIgAAABgAAAAAAAAAAAAAAAAAAAAAAAAAAAAAAAAAAAAkAAAAJAAAAAAAAAAHAAAAAAAAAAAAAAAAAAAAAAAAAAAAAAAAAAAAf39/ACUAAABYAAAAAAAAAAAAAAAAAAAAAAAAAAAAAAAAAAAAAAAAAAAAAAAAAAAAAAAAAAAAAAA/AAAAAAAAAKCGAQAAAAAAAAAAAAAAAAAMAAAAAQAAAAAAAAAAAAAAAAAAAB8AAABUAAAAAAAABQAAAAEAAAAAAAAAAAAAAAAAAAAAAAAAAAAAAAAAAAAAAAAAAAAAAAJ/f38AAAAAA8zMzADAwP8Af39/AAAAAAAAAAAAAAAAAAAAAAAAAAAAIQAAABgAAAAUAAAAOAQAALgaAAD4JQAACDQAABAAAAAmAAAACAAAAP////8AAAAAMAAAABQAAAAAAAAAAAD//wAAAQAAAP//AAABAA=="/>
+                <pr:smNativeData xmlns="smNativeData" xmlns:pr="smNativeData" xmlns:p15="http://schemas.microsoft.com/office/powerpoint/2012/main" xmlns:p14="http://schemas.microsoft.com/office/powerpoint/2010/main" xmlns:mc="http://schemas.openxmlformats.org/markup-compatibility/2006" val="SMDATA_16_xzE7ZxMAAAAlAAAAZAAAAA8BAAAAkAAAAEgAAACQAAAASAAAAAAAAAAAAAAAAAAAAAEAAABQAAAAAAAAAAAA4D8AAAAAAADgPwAAAAAAAOA/AAAAAAAA4D8AAAAAAADgPwAAAAAAAOA/AAAAAAAA4D8AAAAAAADgPwAAAAAAAOA/AAAAAAAA4D8CAAAAjAAAAAAAAAAAAAAARHLEDP///wgAAAAAAAAAAAAAAAAAAAAAAAAAAAAAAAAAAAAAZAAAAAEAAABAAAAAAAAAAAAAAAAAAAAAAAAAAAAAAAAAAAAAAAAAAAAAAAAAAAAAAAAAAAAAAAAAAAAAAAAAAAAAAAAAAAAAAAAAAAAAAAAAAAAAAAAAAAAAAAAAAAAAFAAAADwAAAAAAAAAAAAAAAAAAAkUAAAAAQAAABQAAAAUAAAAFAAAAAEAAAAAAAAAZAAAAGQAAAAAAAAAZAAAAGQAAAAVAAAAYAAAAAAAAAAAAAAADwAAACADAAAAAAAAAAAAAAEAAACgMgAAVgcAAKr4//8BAAAAf39/AAEAAABkAAAAAAAAABQAAABAHwAAAAAAACYAAAAAAAAAwOD//wAAAAAmAAAAZAAAABYAAABMAAAAAAAAAAAAAAAEAAAAAAAAAAEAAADn5uYKAAAAACgAAAAoAAAAZAAAAGQAAAAAAAAAzMzMAAAAAABQAAAAUAAAAGQAAABkAAAAAAAAABcAAAAUAAAAAAAAAAAAAAD/fwAA/38AAAAAAAAJAAAABAAAAAAAAAAeAAAAaAAAAAAAAAAAAAAAAAAAAAAAAAAAAAAAECcAABAnAAAAAAAAAAAAAAAAAAAAAAAAAAAAAAAAAAAAAAAAAAAAABQAAAAAAAAAwMD/AAAAAABkAAAAMgAAAAAAAABkAAAAAAAAAH9/fwAKAAAAIgAAABgAAAAAAAAAAAAAAAAAAAAAAAAAAAAAAAAAAAAkAAAAJAAAAAAAAAAHAAAAAAAAAAAAAAAAAAAAAAAAAAAAAAAAAAAAf39/ACUAAABYAAAAAAAAAAAAAAAAAAAAAAAAAAAAAAAAAAAAAAAAAAAAAAAAAAAAAAAAAAAAAAA/AAAAAAAAAKCGAQAAAAAAAAAAAAAAAAAMAAAAAQAAAAAAAAAAAAAAAAAAAB8AAABUAAAAAAAABQAAAAEAAAAAAAAAAAAAAAAAAAAAAAAAAAAAAAAAAAAAAAAAAAAAAAJ/f38AAAAAA8zMzADAwP8Af39/AAAAAAAAAAAAAAAAAAAAAAAAAAAAIQAAABgAAAAUAAAAOAQAALgaAAD4JQAACDQAABAAAAAmAAAACAAAAP////8AAAAAMAAAABQAAAAAAAAAAAD//wAAAQAAAP//AAABAA=="/>
               </a:ext>
             </a:extLst>
           </p:cNvSpPr>
@@ -1293,7 +1293,7 @@
             <a:spLocks noGrp="1" noRot="1" noChangeAspect="1" noChangeArrowheads="1"/>
             <a:extLst>
               <a:ext uri="smNativeData">
-                <pr:smNativeData xmlns:mc="http://schemas.openxmlformats.org/markup-compatibility/2006" xmlns:p14="http://schemas.microsoft.com/office/powerpoint/2010/main" xmlns:p15="http://schemas.microsoft.com/office/powerpoint/2012/main" xmlns:pr="smNativeData" xmlns="smNativeData" val="SMDATA_16_xzE7ZxMAAAAlAAAAZAAAAA8BAAAAkAAAAEgAAACQAAAASAAAAAAAAAABAAAAAAAAAAEAAABQAAAAAAAAAAAA4D8AAAAAAADgPwAAAAAAAOA/AAAAAAAA4D8AAAAAAADgPwAAAAAAAOA/AAAAAAAA4D8AAAAAAADgPwAAAAAAAOA/AAAAAAAA4D8CAAAAjAAAAAEAAAAAAAAARHLEDP///wgAAAAAAAAAAAAAAAAAAAAAAAAAAAAAAAAAAAAAZAAAAAEAAABAAAAAAAAAAAAAAAAAAAAAAAAAAAAAAAAAAAAAAAAAAAAAAAAAAAAAAAAAAAAAAAAAAAAAAAAAAAAAAAAAAAAAAAAAAAAAAAAAAAAAAAAAAAAAAAAAAAAAFAAAADwAAAABAAAAAAAAAAAAAAkUAAAAAQAAABQAAAAUAAAAFAAAAAEAAAAAAAAAZAAAAGQAAAAAAAAAZAAAAGQAAAAVAAAAYAAAAAAAAAAAAAAADwAAACADAAAAAAAAAAAAAAEAAACgMgAAVgcAAKr4//8BAAAAf39/AAEAAABkAAAAAAAAABQAAABAHwAAAAAAACYAAAAAAAAAwOD//wAAAAAmAAAAZAAAABYAAABMAAAAAAAAAAAAAAAEAAAAAAAAAAEAAADn5uYKAAAAACgAAAAoAAAAZAAAAGQAAAAAAAAAzMzMAAAAAABQAAAAUAAAAGQAAABkAAAAAAAAABcAAAAUAAAAAAAAAAAAAAD/fwAA/38AAAAAAAAJAAAABAAAAIgAAAAeAAAAaAAAAAAAAAAAAAAAAAAAAAAAAAAAAAAAECcAABAnAAAAAAAAAAAAAAAAAAAAAAAAAAAAAAAAAAAAAAAAAAAAABQAAAAAAAAAwMD/AAAAAABkAAAAMgAAAAAAAABkAAAAAAAAAH9/fwAKAAAAIgAAABgAAAAAAAAAAAAAAAAAAAAAAAAAAAAAAAAAAAAkAAAAJAAAAAAAAAAHAAAAAAAAAAAAAAAAAAAAAAAAAAAAAAAAAAAAf39/ACUAAABYAAAAAAAAAAAAAAAAAAAAAAAAAAAAAAAAAAAAAAAAAAAAAAAAAAAAAAAAAAAAAAA/AAAAAAAAAKCGAQAAAAAAAAAAAAAAAAAMAAAAAQAAAAAAAAAAAAAAAAAAAB8AAABUAAAAAAAABQAAAAEAAAAAAAAAAAAAAAAAAAAAAAAAAAAAAAAAAAAAAAAAAAAAAAJ/f38AAAAAA8zMzADAwP8Af39/AAAAAAAAAAAAAAAAAAAAAAAAAAAAIQAAABgAAAAUAAAACAcAADgEAAAoIwAAUBkAABAAAAAmAAAACAAAAP////8AAAAAMAAAABQAAAAAAAAAAAD//wAAAQAAAP//AAABAA=="/>
+                <pr:smNativeData xmlns="smNativeData" xmlns:pr="smNativeData" xmlns:p15="http://schemas.microsoft.com/office/powerpoint/2012/main" xmlns:p14="http://schemas.microsoft.com/office/powerpoint/2010/main" xmlns:mc="http://schemas.openxmlformats.org/markup-compatibility/2006" val="SMDATA_16_xzE7ZxMAAAAlAAAAZAAAAA8BAAAAkAAAAEgAAACQAAAASAAAAAAAAAABAAAAAAAAAAEAAABQAAAAAAAAAAAA4D8AAAAAAADgPwAAAAAAAOA/AAAAAAAA4D8AAAAAAADgPwAAAAAAAOA/AAAAAAAA4D8AAAAAAADgPwAAAAAAAOA/AAAAAAAA4D8CAAAAjAAAAAEAAAAAAAAARHLEDP///wgAAAAAAAAAAAAAAAAAAAAAAAAAAAAAAAAAAAAAZAAAAAEAAABAAAAAAAAAAAAAAAAAAAAAAAAAAAAAAAAAAAAAAAAAAAAAAAAAAAAAAAAAAAAAAAAAAAAAAAAAAAAAAAAAAAAAAAAAAAAAAAAAAAAAAAAAAAAAAAAAAAAAFAAAADwAAAABAAAAAAAAAAAAAAkUAAAAAQAAABQAAAAUAAAAFAAAAAEAAAAAAAAAZAAAAGQAAAAAAAAAZAAAAGQAAAAVAAAAYAAAAAAAAAAAAAAADwAAACADAAAAAAAAAAAAAAEAAACgMgAAVgcAAKr4//8BAAAAf39/AAEAAABkAAAAAAAAABQAAABAHwAAAAAAACYAAAAAAAAAwOD//wAAAAAmAAAAZAAAABYAAABMAAAAAAAAAAAAAAAEAAAAAAAAAAEAAADn5uYKAAAAACgAAAAoAAAAZAAAAGQAAAAAAAAAzMzMAAAAAABQAAAAUAAAAGQAAABkAAAAAAAAABcAAAAUAAAAAAAAAAAAAAD/fwAA/38AAAAAAAAJAAAABAAAAIgAAAAeAAAAaAAAAAAAAAAAAAAAAAAAAAAAAAAAAAAAECcAABAnAAAAAAAAAAAAAAAAAAAAAAAAAAAAAAAAAAAAAAAAAAAAABQAAAAAAAAAwMD/AAAAAABkAAAAMgAAAAAAAABkAAAAAAAAAH9/fwAKAAAAIgAAABgAAAAAAAAAAAAAAAAAAAAAAAAAAAAAAAAAAAAkAAAAJAAAAAAAAAAHAAAAAAAAAAAAAAAAAAAAAAAAAAAAAAAAAAAAf39/ACUAAABYAAAAAAAAAAAAAAAAAAAAAAAAAAAAAAAAAAAAAAAAAAAAAAAAAAAAAAAAAAAAAAA/AAAAAAAAAKCGAQAAAAAAAAAAAAAAAAAMAAAAAQAAAAAAAAAAAAAAAAAAAB8AAABUAAAAAAAABQAAAAEAAAAAAAAAAAAAAAAAAAAAAAAAAAAAAAAAAAAAAAAAAAAAAAJ/f38AAAAAA8zMzADAwP8Af39/AAAAAAAAAAAAAAAAAAAAAAAAAAAAIQAAABgAAAAUAAAACAcAADgEAAAoIwAAUBkAABAAAAAmAAAACAAAAP////8AAAAAMAAAABQAAAAAAAAAAAD//wAAAQAAAP//AAABAA=="/>
               </a:ext>
             </a:extLst>
           </p:cNvSpPr>
@@ -1318,7 +1318,7 @@
             <a:spLocks noGrp="1" noChangeArrowheads="1"/>
             <a:extLst>
               <a:ext uri="smNativeData">
-                <pr:smNativeData xmlns:mc="http://schemas.openxmlformats.org/markup-compatibility/2006" xmlns:p14="http://schemas.microsoft.com/office/powerpoint/2010/main" xmlns:p15="http://schemas.microsoft.com/office/powerpoint/2012/main" xmlns:pr="smNativeData" xmlns="smNativeData" val="SMDATA_16_xzE7ZxMAAAAlAAAAZAAAAA8BAAAAkAAAAEgAAACQAAAASAAAAAAAAAAAAAAAAAAAAAEAAABQAAAAAAAAAAAA4D8AAAAAAADgPwAAAAAAAOA/AAAAAAAA4D8AAAAAAADgPwAAAAAAAOA/AAAAAAAA4D8AAAAAAADgPwAAAAAAAOA/AAAAAAAA4D8CAAAAjAAAAAAAAAAAAAAARHLEDP///wgAAAAAAAAAAAAAAAAAAAAAAAAAAAAAAAAAAAAAZAAAAAEAAABAAAAAAAAAAAAAAAAAAAAAAAAAAAAAAAAAAAAAAAAAAAAAAAAAAAAAAAAAAAAAAAAAAAAAAAAAAAAAAAAAAAAAAAAAAAAAAAAAAAAAAAAAAAAAAAAAAAAAFAAAADwAAAAAAAAAAAAAAAAAAAkUAAAAAQAAABQAAAAUAAAAFAAAAAEAAAAAAAAAZAAAAGQAAAAAAAAAZAAAAGQAAAAVAAAAYAAAAAAAAAAAAAAADwAAACADAAAAAAAAAAAAAAEAAACgMgAAVgcAAKr4//8BAAAAf39/AAEAAABkAAAAAAAAABQAAABAHwAAAAAAACYAAAAAAAAAwOD//wAAAAAmAAAAZAAAABYAAABMAAAAAAAAAAAAAAAEAAAAAAAAAAEAAADn5uYKAAAAACgAAAAoAAAAZAAAAGQAAAAAAAAAzMzMAAAAAABQAAAAUAAAAGQAAABkAAAAAAAAABcAAAAUAAAAAAAAAAAAAAD/fwAA/38AAAAAAAAJAAAABAAAAOYAAAAeAAAAaAAAAAAAAAAAAAAAAAAAAAAAAAAAAAAAECcAABAnAAAAAAAAAAAAAAAAAAAAAAAAAAAAAAAAAAAAAAAAAAAAABQAAAAAAAAAwMD/AAAAAABkAAAAMgAAAAAAAABkAAAAAAAAAH9/fwAKAAAAIgAAABgAAAAAAAAAAAAAAAAAAAAAAAAAAAAAAAAAAAAkAAAAJAAAAAAAAAAHAAAAAAAAAAAAAAAAAAAAAAAAAAAAAAAAAAAAf39/ACUAAABYAAAAAAAAAAAAAAAAAAAAAAAAAAAAAAAAAAAAAAAAAAAAAAAAAAAAAAAAAAAAAAA/AAAAAAAAAKCGAQAAAAAAAAAAAAAAAAAMAAAAAQAAAAAAAAAAAAAAAAAAAB8AAABUAAAAAAAABQAAAAEAAAAAAAAAAAAAAAAAAAAAAAAAAAAAAAAAAAAAAAAAAAAAAAJ/f38AAAAAA8zMzADAwP8Af39/AAAAAAAAAAAAAAAAAAAAAAAAAAAAIQAAABgAAAAUAAAAOAQAALgaAAD4JQAACDQAABAAAAAmAAAACAAAAP////8AAAAAMAAAABQAAAAAAAAAAAD//wAAAQAAAP//AAABAA=="/>
+                <pr:smNativeData xmlns="smNativeData" xmlns:pr="smNativeData" xmlns:p15="http://schemas.microsoft.com/office/powerpoint/2012/main" xmlns:p14="http://schemas.microsoft.com/office/powerpoint/2010/main" xmlns:mc="http://schemas.openxmlformats.org/markup-compatibility/2006" val="SMDATA_16_xzE7ZxMAAAAlAAAAZAAAAA8BAAAAkAAAAEgAAACQAAAASAAAAAAAAAAAAAAAAAAAAAEAAABQAAAAAAAAAAAA4D8AAAAAAADgPwAAAAAAAOA/AAAAAAAA4D8AAAAAAADgPwAAAAAAAOA/AAAAAAAA4D8AAAAAAADgPwAAAAAAAOA/AAAAAAAA4D8CAAAAjAAAAAAAAAAAAAAARHLEDP///wgAAAAAAAAAAAAAAAAAAAAAAAAAAAAAAAAAAAAAZAAAAAEAAABAAAAAAAAAAAAAAAAAAAAAAAAAAAAAAAAAAAAAAAAAAAAAAAAAAAAAAAAAAAAAAAAAAAAAAAAAAAAAAAAAAAAAAAAAAAAAAAAAAAAAAAAAAAAAAAAAAAAAFAAAADwAAAAAAAAAAAAAAAAAAAkUAAAAAQAAABQAAAAUAAAAFAAAAAEAAAAAAAAAZAAAAGQAAAAAAAAAZAAAAGQAAAAVAAAAYAAAAAAAAAAAAAAADwAAACADAAAAAAAAAAAAAAEAAACgMgAAVgcAAKr4//8BAAAAf39/AAEAAABkAAAAAAAAABQAAABAHwAAAAAAACYAAAAAAAAAwOD//wAAAAAmAAAAZAAAABYAAABMAAAAAAAAAAAAAAAEAAAAAAAAAAEAAADn5uYKAAAAACgAAAAoAAAAZAAAAGQAAAAAAAAAzMzMAAAAAABQAAAAUAAAAGQAAABkAAAAAAAAABcAAAAUAAAAAAAAAAAAAAD/fwAA/38AAAAAAAAJAAAABAAAAOYAAAAeAAAAaAAAAAAAAAAAAAAAAAAAAAAAAAAAAAAAECcAABAnAAAAAAAAAAAAAAAAAAAAAAAAAAAAAAAAAAAAAAAAAAAAABQAAAAAAAAAwMD/AAAAAABkAAAAMgAAAAAAAABkAAAAAAAAAH9/fwAKAAAAIgAAABgAAAAAAAAAAAAAAAAAAAAAAAAAAAAAAAAAAAAkAAAAJAAAAAAAAAAHAAAAAAAAAAAAAAAAAAAAAAAAAAAAAAAAAAAAf39/ACUAAABYAAAAAAAAAAAAAAAAAAAAAAAAAAAAAAAAAAAAAAAAAAAAAAAAAAAAAAAAAAAAAAA/AAAAAAAAAKCGAQAAAAAAAAAAAAAAAAAMAAAAAQAAAAAAAAAAAAAAAAAAAB8AAABUAAAAAAAABQAAAAEAAAAAAAAAAAAAAAAAAAAAAAAAAAAAAAAAAAAAAAAAAAAAAAJ/f38AAAAAA8zMzADAwP8Af39/AAAAAAAAAAAAAAAAAAAAAAAAAAAAIQAAABgAAAAUAAAAOAQAALgaAAD4JQAACDQAABAAAAAmAAAACAAAAP////8AAAAAMAAAABQAAAAAAAAAAAD//wAAAQAAAP//AAABAA=="/>
               </a:ext>
             </a:extLst>
           </p:cNvSpPr>
@@ -1382,7 +1382,7 @@
             <a:spLocks noGrp="1" noChangeArrowheads="1"/>
             <a:extLst>
               <a:ext uri="smNativeData">
-                <pr:smNativeData xmlns:mc="http://schemas.openxmlformats.org/markup-compatibility/2006" xmlns:p14="http://schemas.microsoft.com/office/powerpoint/2010/main" xmlns:p15="http://schemas.microsoft.com/office/powerpoint/2012/main" xmlns:pr="smNativeData" xmlns="smNativeData" val="SMDATA_16_xzE7ZxMAAAAlAAAAZAAAAA0AAAAAkAAAAEgAAACQAAAASAAAAAAAAAACAAAAAAAAAAEAAABQAAAAAAAAAAAA4D8AAAAAAADgPwAAAAAAAOA/AAAAAAAA4D8AAAAAAADgPwAAAAAAAOA/AAAAAAAA4D8AAAAAAADgPwAAAAAAAOA/AAAAAAAA4D8CAAAAjAAAAAAAAAAAAAAARHLEDP///wgAAAAAAAAAAAAAAAAAAAAAAAAAAAAAAAAAAAAAZAAAAAEAAABAAAAAAAAAAAAAAAAAAAAAAAAAAAAAAAAAAAAAAAAAAAAAAAAAAAAAAAAAAAAAAAAAAAAAAAAAAAAAAAAAAAAAAAAAAAAAAAAAAAAAAAAAAAAAAAAAAAAAFAAAADwAAAAAAAAAAAAAAAAAAAkUAAAAAQAAABQAAAAUAAAAFAAAAAEAAAAAAAAAZAAAAGQAAAAAAAAAZAAAAGQAAAAVAAAAYAAAAAAAAAAAAAAADwAAACADAAAAAAAAAAAAAAEAAACgMgAAVgcAAKr4//8BAAAAf39/AAEAAABkAAAAAAAAABQAAABAHwAAAAAAACYAAAAAAAAAwOD//wAAAAAmAAAAZAAAABYAAABMAAAAAAAAAAAAAAAEAAAAAAAAAAEAAADn5uYKAAAAACgAAAAoAAAAZAAAAGQAAAAAAAAAzMzMAAAAAABQAAAAUAAAAGQAAABkAAAAAAAAABcAAAAUAAAAAAAAAAAAAAD/fwAA/38AAAAAAAAJAAAABAAAAAAAAAAeAAAAaAAAAAAAAAAAAAAAAAAAAAAAAAAAAAAAECcAABAnAAAAAAAAAAAAAAAAAAAAAAAAAAAAAAAAAAAAAAAAAAAAABQAAAAAAAAAwMD/AAAAAABkAAAAMgAAAAAAAABkAAAAAAAAAH9/fwAKAAAAIgAAABgAAAAAAAAAAAAAAAAAAAAAAAAAAAAAAAAAAAAkAAAAJAAAAAAAAAAHAAAAAAAAAAAAAAAAAAAAAAAAAAAAAAAAAAAAf39/ACUAAABYAAAAAAAAAAAAAAAAAAAAAAAAAAAAAAAAAAAAAAAAAAAAAAAAAAAAAAAAAAAAAAA/AAAAAAAAAKCGAQAAAAAAAAAAAAAAAAAMAAAAAQAAAAAAAAAAAAAAAAAAAB8AAABUAAAAAAAABQAAAAEAAAAAAAAAAAAAAAAAAAAAAAAAAAAAAAAAAAAAAAAAAAAAAAJ/f38AAAAAA8zMzADAwP8Af39/AAAAAAAAAAAAAAAAAAAAAAAAAAAAIQAAABgAAAAUAAAAYAkAAOgGAACgQQAAmBUAABAAAAAmAAAACAAAAIGAAAAAAAAAMAAAABQAAAAAAAAAAAD//wAAAQAAAP//AAABAA=="/>
+                <pr:smNativeData xmlns="smNativeData" xmlns:pr="smNativeData" xmlns:p15="http://schemas.microsoft.com/office/powerpoint/2012/main" xmlns:p14="http://schemas.microsoft.com/office/powerpoint/2010/main" xmlns:mc="http://schemas.openxmlformats.org/markup-compatibility/2006" val="SMDATA_16_xzE7ZxMAAAAlAAAAZAAAAA0AAAAAkAAAAEgAAACQAAAASAAAAAAAAAACAAAAAAAAAAEAAABQAAAAAAAAAAAA4D8AAAAAAADgPwAAAAAAAOA/AAAAAAAA4D8AAAAAAADgPwAAAAAAAOA/AAAAAAAA4D8AAAAAAADgPwAAAAAAAOA/AAAAAAAA4D8CAAAAjAAAAAAAAAAAAAAARHLEDP///wgAAAAAAAAAAAAAAAAAAAAAAAAAAAAAAAAAAAAAZAAAAAEAAABAAAAAAAAAAAAAAAAAAAAAAAAAAAAAAAAAAAAAAAAAAAAAAAAAAAAAAAAAAAAAAAAAAAAAAAAAAAAAAAAAAAAAAAAAAAAAAAAAAAAAAAAAAAAAAAAAAAAAFAAAADwAAAAAAAAAAAAAAAAAAAkUAAAAAQAAABQAAAAUAAAAFAAAAAEAAAAAAAAAZAAAAGQAAAAAAAAAZAAAAGQAAAAVAAAAYAAAAAAAAAAAAAAADwAAACADAAAAAAAAAAAAAAEAAACgMgAAVgcAAKr4//8BAAAAf39/AAEAAABkAAAAAAAAABQAAABAHwAAAAAAACYAAAAAAAAAwOD//wAAAAAmAAAAZAAAABYAAABMAAAAAAAAAAAAAAAEAAAAAAAAAAEAAADn5uYKAAAAACgAAAAoAAAAZAAAAGQAAAAAAAAAzMzMAAAAAABQAAAAUAAAAGQAAABkAAAAAAAAABcAAAAUAAAAAAAAAAAAAAD/fwAA/38AAAAAAAAJAAAABAAAAAAAAAAeAAAAaAAAAAAAAAAAAAAAAAAAAAAAAAAAAAAAECcAABAnAAAAAAAAAAAAAAAAAAAAAAAAAAAAAAAAAAAAAAAAAAAAABQAAAAAAAAAwMD/AAAAAABkAAAAMgAAAAAAAABkAAAAAAAAAH9/fwAKAAAAIgAAABgAAAAAAAAAAAAAAAAAAAAAAAAAAAAAAAAAAAAkAAAAJAAAAAAAAAAHAAAAAAAAAAAAAAAAAAAAAAAAAAAAAAAAAAAAf39/ACUAAABYAAAAAAAAAAAAAAAAAAAAAAAAAAAAAAAAAAAAAAAAAAAAAAAAAAAAAAAAAAAAAAA/AAAAAAAAAKCGAQAAAAAAAAAAAAAAAAAMAAAAAQAAAAAAAAAAAAAAAAAAAB8AAABUAAAAAAAABQAAAAEAAAAAAAAAAAAAAAAAAAAAAAAAAAAAAAAAAAAAAAAAAAAAAAJ/f38AAAAAA8zMzADAwP8Af39/AAAAAAAAAAAAAAAAAAAAAAAAAAAAIQAAABgAAAAUAAAAYAkAAOgGAACgQQAAmBUAABAAAAAmAAAACAAAAIGAAAAAAAAAMAAAABQAAAAAAAAAAAD//wAAAQAAAP//AAABAA=="/>
               </a:ext>
             </a:extLst>
           </p:cNvSpPr>
@@ -1448,7 +1448,7 @@
             <a:spLocks noGrp="1" noChangeArrowheads="1"/>
             <a:extLst>
               <a:ext uri="smNativeData">
-                <pr:smNativeData xmlns:mc="http://schemas.openxmlformats.org/markup-compatibility/2006" xmlns:p14="http://schemas.microsoft.com/office/powerpoint/2010/main" xmlns:p15="http://schemas.microsoft.com/office/powerpoint/2012/main" xmlns:pr="smNativeData" xmlns="smNativeData" val="SMDATA_16_xzE7ZxMAAAAlAAAAZAAAAA0AAAAAkAAAAEgAAACQAAAASAAAAAAAAAAAAAAAAAAAAAEAAABQAAAAAAAAAAAA4D8AAAAAAADgPwAAAAAAAOA/AAAAAAAA4D8AAAAAAADgPwAAAAAAAOA/AAAAAAAA4D8AAAAAAADgPwAAAAAAAOA/AAAAAAAA4D8CAAAAjAAAAAAAAAAAAAAARHLEDP///wgAAAAAAAAAAAAAAAAAAAAAAAAAAAAAAAAAAAAAZAAAAAEAAABAAAAAAAAAAAAAAAAAAAAAAAAAAAAAAAAAAAAAAAAAAAAAAAAAAAAAAAAAAAAAAAAAAAAAAAAAAAAAAAAAAAAAAAAAAAAAAAAAAAAAAAAAAAAAAAAAAAAAFAAAADwAAAAAAAAAAAAAAAAAAAkUAAAAAQAAABQAAAAUAAAAFAAAAAEAAAAAAAAAZAAAAGQAAAAAAAAAZAAAAGQAAAAVAAAAYAAAAAAAAAAAAAAADwAAACADAAAAAAAAAAAAAAEAAACgMgAAVgcAAKr4//8BAAAAf39/AAEAAABkAAAAAAAAABQAAABAHwAAAAAAACYAAAAAAAAAwOD//wAAAAAmAAAAZAAAABYAAABMAAAAAAAAAAAAAAAEAAAAAAAAAAEAAADn5uYKAAAAACgAAAAoAAAAZAAAAGQAAAAAAAAAzMzMAAAAAABQAAAAUAAAAGQAAABkAAAAAAAAABcAAAAUAAAAAAAAAAAAAAD/fwAA/38AAAAAAAAJAAAABAAAAHiYZxAeAAAAaAAAAAAAAAAAAAAAAAAAAAAAAAAAAAAAECcAABAnAAAAAAAAAAAAAAAAAAAAAAAAAAAAAAAAAAAAAAAAAAAAABQAAAAAAAAAwMD/AAAAAABkAAAAMgAAAAAAAABkAAAAAAAAAH9/fwAKAAAAIgAAABgAAAAAAAAAAAAAAAAAAAAAAAAAAAAAAAAAAAAkAAAAJAAAAAAAAAAHAAAAAAAAAAAAAAAAAAAAAAAAAAAAAAAAAAAAf39/ACUAAABYAAAAAAAAAAAAAAAAAAAAAAAAAAAAAAAAAAAAAAAAAAAAAAAAAAAAAAAAAAAAAAA/AAAAAAAAAKCGAQAAAAAAAAAAAAAAAAAMAAAAAQAAAAAAAAAAAAAAAAAAAB8AAABUAAAAAAAABQAAAAEAAAAAAAAAAAAAAAAAAAAAAAAAAAAAAAAAAAAAAAAAAAAAAAJ/f38AAAAAA8zMzADAwP8Af39/AAAAAAAAAAAAAAAAAAAAAAAAAAAAIQAAABgAAAAUAAAAYAkAACkWAACgQQAAWCAAABAAAAAmAAAACAAAAAGAAAAAAAAAMAAAABQAAAAAAAAAAAD//wAAAQAAAP//AAABAA=="/>
+                <pr:smNativeData xmlns="smNativeData" xmlns:pr="smNativeData" xmlns:p15="http://schemas.microsoft.com/office/powerpoint/2012/main" xmlns:p14="http://schemas.microsoft.com/office/powerpoint/2010/main" xmlns:mc="http://schemas.openxmlformats.org/markup-compatibility/2006" val="SMDATA_16_xzE7ZxMAAAAlAAAAZAAAAA0AAAAAkAAAAEgAAACQAAAASAAAAAAAAAAAAAAAAAAAAAEAAABQAAAAAAAAAAAA4D8AAAAAAADgPwAAAAAAAOA/AAAAAAAA4D8AAAAAAADgPwAAAAAAAOA/AAAAAAAA4D8AAAAAAADgPwAAAAAAAOA/AAAAAAAA4D8CAAAAjAAAAAAAAAAAAAAARHLEDP///wgAAAAAAAAAAAAAAAAAAAAAAAAAAAAAAAAAAAAAZAAAAAEAAABAAAAAAAAAAAAAAAAAAAAAAAAAAAAAAAAAAAAAAAAAAAAAAAAAAAAAAAAAAAAAAAAAAAAAAAAAAAAAAAAAAAAAAAAAAAAAAAAAAAAAAAAAAAAAAAAAAAAAFAAAADwAAAAAAAAAAAAAAAAAAAkUAAAAAQAAABQAAAAUAAAAFAAAAAEAAAAAAAAAZAAAAGQAAAAAAAAAZAAAAGQAAAAVAAAAYAAAAAAAAAAAAAAADwAAACADAAAAAAAAAAAAAAEAAACgMgAAVgcAAKr4//8BAAAAf39/AAEAAABkAAAAAAAAABQAAABAHwAAAAAAACYAAAAAAAAAwOD//wAAAAAmAAAAZAAAABYAAABMAAAAAAAAAAAAAAAEAAAAAAAAAAEAAADn5uYKAAAAACgAAAAoAAAAZAAAAGQAAAAAAAAAzMzMAAAAAABQAAAAUAAAAGQAAABkAAAAAAAAABcAAAAUAAAAAAAAAAAAAAD/fwAA/38AAAAAAAAJAAAABAAAAHiYZxAeAAAAaAAAAAAAAAAAAAAAAAAAAAAAAAAAAAAAECcAABAnAAAAAAAAAAAAAAAAAAAAAAAAAAAAAAAAAAAAAAAAAAAAABQAAAAAAAAAwMD/AAAAAABkAAAAMgAAAAAAAABkAAAAAAAAAH9/fwAKAAAAIgAAABgAAAAAAAAAAAAAAAAAAAAAAAAAAAAAAAAAAAAkAAAAJAAAAAAAAAAHAAAAAAAAAAAAAAAAAAAAAAAAAAAAAAAAAAAAf39/ACUAAABYAAAAAAAAAAAAAAAAAAAAAAAAAAAAAAAAAAAAAAAAAAAAAAAAAAAAAAAAAAAAAAA/AAAAAAAAAKCGAQAAAAAAAAAAAAAAAAAMAAAAAQAAAAAAAAAAAAAAAAAAAB8AAABUAAAAAAAABQAAAAEAAAAAAAAAAAAAAAAAAAAAAAAAAAAAAAAAAAAAAAAAAAAAAAJ/f38AAAAAA8zMzADAwP8Af39/AAAAAAAAAAAAAAAAAAAAAAAAAAAAIQAAABgAAAAUAAAAYAkAACkWAACgQQAAWCAAABAAAAAmAAAACAAAAAGAAAAAAAAAMAAAABQAAAAAAAAAAAD//wAAAQAAAP//AAABAA=="/>
               </a:ext>
             </a:extLst>
           </p:cNvSpPr>
@@ -1519,7 +1519,7 @@
             <a:spLocks noGrp="1" noChangeArrowheads="1"/>
             <a:extLst>
               <a:ext uri="smNativeData">
-                <pr:smNativeData xmlns:mc="http://schemas.openxmlformats.org/markup-compatibility/2006" xmlns:p14="http://schemas.microsoft.com/office/powerpoint/2010/main" xmlns:p15="http://schemas.microsoft.com/office/powerpoint/2012/main" xmlns:pr="smNativeData" xmlns="smNativeData" val="SMDATA_16_xzE7ZxMAAAAlAAAAZAAAAA0AAAAAkAAAAEgAAACQAAAASAAAAAAAAAABAAAAAAAAAAEAAABQAAAAAAAAAAAA4D8AAAAAAADgPwAAAAAAAOA/AAAAAAAA4D8AAAAAAADgPwAAAAAAAOA/AAAAAAAA4D8AAAAAAADgPwAAAAAAAOA/AAAAAAAA4D8CAAAAjAAAAAAAAAAAAAAARHLEDP///wgAAAAAAAAAAAAAAAAAAAAAAAAAAAAAAAAAAAAAZAAAAAEAAABAAAAAAAAAAAAAAAAAAAAAAAAAAAAAAAAAAAAAAAAAAAAAAAAAAAAAAAAAAAAAAAAAAAAAAAAAAAAAAAAAAAAAAAAAAAAAAAAAAAAAAAAAAAAAAAAAAAAAFAAAADwAAAAAAAAAAAAAAAAAAAkUAAAAAQAAABQAAAAUAAAAFAAAAAEAAAAAAAAAZAAAAGQAAAAAAAAAZAAAAGQAAAAVAAAAYAAAAAAAAAAAAAAADwAAACADAAAAAAAAAAAAAAEAAACgMgAAVgcAAKr4//8BAAAAf39/AAEAAABkAAAAAAAAABQAAABAHwAAAAAAACYAAAAAAAAAwOD//wAAAAAmAAAAZAAAABYAAABMAAAAAAAAAAAAAAAEAAAAAAAAAAEAAADn5uYKAAAAACgAAAAoAAAAZAAAAGQAAAAAAAAAzMzMAAAAAABQAAAAUAAAAGQAAABkAAAAAAAAABcAAAAUAAAAAAAAAAAAAAD/fwAA/38AAAAAAAAJAAAABAAAAAAAAAAeAAAAaAAAAAAAAAAAAAAAAAAAAAAAAAAAAAAAECcAABAnAAAAAAAAAAAAAAAAAAAAAAAAAAAAAAAAAAAAAAAAAAAAABQAAAAAAAAAwMD/AAAAAABkAAAAMgAAAAAAAABkAAAAAAAAAH9/fwAKAAAAIgAAABgAAAAAAAAAAAAAAAAAAAAAAAAAAAAAAAAAAAAkAAAAJAAAAAAAAAAHAAAAAAAAAAAAAAAAAAAAAAAAAAAAAAAAAAAAf39/ACUAAABYAAAAAAAAAAAAAAAAAAAAAAAAAAAAAAAAAAAAAAAAAAAAAAAAAAAAAAAAAAAAAAA/AAAAAAAAAKCGAQAAAAAAAAAAAAAAAAAMAAAAAQAAAAAAAAAAAAAAAAAAAB8AAABUAAAAAAAABQAAAAEAAAAAAAAAAAAAAAAAAAAAAAAAAAAAAAAAAAAAAAAAAAAAAAJ/f38AAAAAA8zMzADAwP8Af39/AAAAAAAAAAAAAAAAAAAAAAAAAAAAIQAAABgAAAAUAAAAKAUAABonAAAIFgAAWSkAABAAAAAmAAAACAAAAAAAAAAAAAAAMAAAABQAAAAAAAAAAAD//wAAAQAAAP//AAABAA=="/>
+                <pr:smNativeData xmlns="smNativeData" xmlns:pr="smNativeData" xmlns:p15="http://schemas.microsoft.com/office/powerpoint/2012/main" xmlns:p14="http://schemas.microsoft.com/office/powerpoint/2010/main" xmlns:mc="http://schemas.openxmlformats.org/markup-compatibility/2006" val="SMDATA_16_xzE7ZxMAAAAlAAAAZAAAAA0AAAAAkAAAAEgAAACQAAAASAAAAAAAAAABAAAAAAAAAAEAAABQAAAAAAAAAAAA4D8AAAAAAADgPwAAAAAAAOA/AAAAAAAA4D8AAAAAAADgPwAAAAAAAOA/AAAAAAAA4D8AAAAAAADgPwAAAAAAAOA/AAAAAAAA4D8CAAAAjAAAAAAAAAAAAAAARHLEDP///wgAAAAAAAAAAAAAAAAAAAAAAAAAAAAAAAAAAAAAZAAAAAEAAABAAAAAAAAAAAAAAAAAAAAAAAAAAAAAAAAAAAAAAAAAAAAAAAAAAAAAAAAAAAAAAAAAAAAAAAAAAAAAAAAAAAAAAAAAAAAAAAAAAAAAAAAAAAAAAAAAAAAAFAAAADwAAAAAAAAAAAAAAAAAAAkUAAAAAQAAABQAAAAUAAAAFAAAAAEAAAAAAAAAZAAAAGQAAAAAAAAAZAAAAGQAAAAVAAAAYAAAAAAAAAAAAAAADwAAACADAAAAAAAAAAAAAAEAAACgMgAAVgcAAKr4//8BAAAAf39/AAEAAABkAAAAAAAAABQAAABAHwAAAAAAACYAAAAAAAAAwOD//wAAAAAmAAAAZAAAABYAAABMAAAAAAAAAAAAAAAEAAAAAAAAAAEAAADn5uYKAAAAACgAAAAoAAAAZAAAAGQAAAAAAAAAzMzMAAAAAABQAAAAUAAAAGQAAABkAAAAAAAAABcAAAAUAAAAAAAAAAAAAAD/fwAA/38AAAAAAAAJAAAABAAAAAAAAAAeAAAAaAAAAAAAAAAAAAAAAAAAAAAAAAAAAAAAECcAABAnAAAAAAAAAAAAAAAAAAAAAAAAAAAAAAAAAAAAAAAAAAAAABQAAAAAAAAAwMD/AAAAAABkAAAAMgAAAAAAAABkAAAAAAAAAH9/fwAKAAAAIgAAABgAAAAAAAAAAAAAAAAAAAAAAAAAAAAAAAAAAAAkAAAAJAAAAAAAAAAHAAAAAAAAAAAAAAAAAAAAAAAAAAAAAAAAAAAAf39/ACUAAABYAAAAAAAAAAAAAAAAAAAAAAAAAAAAAAAAAAAAAAAAAAAAAAAAAAAAAAAAAAAAAAA/AAAAAAAAAKCGAQAAAAAAAAAAAAAAAAAMAAAAAQAAAAAAAAAAAAAAAAAAAB8AAABUAAAAAAAABQAAAAEAAAAAAAAAAAAAAAAAAAAAAAAAAAAAAAAAAAAAAAAAAAAAAAJ/f38AAAAAA8zMzADAwP8Af39/AAAAAAAAAAAAAAAAAAAAAAAAAAAAIQAAABgAAAAUAAAAKAUAABonAAAIFgAAWSkAABAAAAAmAAAACAAAAAAAAAAAAAAAMAAAABQAAAAAAAAAAAD//wAAAQAAAP//AAABAA=="/>
               </a:ext>
             </a:extLst>
           </p:cNvSpPr>
@@ -1549,7 +1549,7 @@
             <a:spLocks noGrp="1" noChangeArrowheads="1"/>
             <a:extLst>
               <a:ext uri="smNativeData">
-                <pr:smNativeData xmlns:mc="http://schemas.openxmlformats.org/markup-compatibility/2006" xmlns:p14="http://schemas.microsoft.com/office/powerpoint/2010/main" xmlns:p15="http://schemas.microsoft.com/office/powerpoint/2012/main" xmlns:pr="smNativeData" xmlns="smNativeData" val="SMDATA_16_xzE7ZxMAAAAlAAAAZAAAAA0AAAAAkAAAAEgAAACQAAAASAAAAAAAAAABAAAAAAAAAAEAAABQAAAAAAAAAAAA4D8AAAAAAADgPwAAAAAAAOA/AAAAAAAA4D8AAAAAAADgPwAAAAAAAOA/AAAAAAAA4D8AAAAAAADgPwAAAAAAAOA/AAAAAAAA4D8CAAAAjAAAAAAAAAAAAAAARHLEDP///wgAAAAAAAAAAAAAAAAAAAAAAAAAAAAAAAAAAAAAZAAAAAEAAABAAAAAAAAAAAAAAAAAAAAAAAAAAAAAAAAAAAAAAAAAAAAAAAAAAAAAAAAAAAAAAAAAAAAAAAAAAAAAAAAAAAAAAAAAAAAAAAAAAAAAAAAAAAAAAAAAAAAAFAAAADwAAAAAAAAAAAAAAAAAAAkUAAAAAQAAABQAAAAUAAAAFAAAAAEAAAAAAAAAZAAAAGQAAAAAAAAAZAAAAGQAAAAVAAAAYAAAAAAAAAAAAAAADwAAACADAAAAAAAAAAAAAAEAAACgMgAAVgcAAKr4//8BAAAAf39/AAEAAABkAAAAAAAAABQAAABAHwAAAAAAACYAAAAAAAAAwOD//wAAAAAmAAAAZAAAABYAAABMAAAAAAAAAAAAAAAEAAAAAAAAAAEAAADn5uYKAAAAACgAAAAoAAAAZAAAAGQAAAAAAAAAzMzMAAAAAABQAAAAUAAAAGQAAABkAAAAAAAAABcAAAAUAAAAAAAAAAAAAAD/fwAA/38AAAAAAAAJAAAABAAAAGwAZQAeAAAAaAAAAAAAAAAAAAAAAAAAAAAAAAAAAAAAECcAABAnAAAAAAAAAAAAAAAAAAAAAAAAAAAAAAAAAAAAAAAAAAAAABQAAAAAAAAAwMD/AAAAAABkAAAAMgAAAAAAAABkAAAAAAAAAH9/fwAKAAAAIgAAABgAAAAAAAAAAAAAAAAAAAAAAAAAAAAAAAAAAAAkAAAAJAAAAAAAAAAHAAAAAAAAAAAAAAAAAAAAAAAAAAAAAAAAAAAAf39/ACUAAABYAAAAAAAAAAAAAAAAAAAAAAAAAAAAAAAAAAAAAAAAAAAAAAAAAAAAAAAAAAAAAAA/AAAAAAAAAKCGAQAAAAAAAAAAAAAAAAAMAAAAAQAAAAAAAAAAAAAAAAAAAB8AAABUAAAAAAAABQAAAAEAAAAAAAAAAAAAAAAAAAAAAAAAAAAAAAAAAAAAAAAAAAAAAAJ/f38AAAAAA8zMzADAwP8Af39/AAAAAAAAAAAAAAAAAAAAAAAAAAAAIQAAABgAAAAUAAAA2BgAABonAAAoMgAAWSkAABAAAAAmAAAACAAAAAAAAAAAAAAAMAAAABQAAAAAAAAAAAD//wAAAQAAAP//AAABAA=="/>
+                <pr:smNativeData xmlns="smNativeData" xmlns:pr="smNativeData" xmlns:p15="http://schemas.microsoft.com/office/powerpoint/2012/main" xmlns:p14="http://schemas.microsoft.com/office/powerpoint/2010/main" xmlns:mc="http://schemas.openxmlformats.org/markup-compatibility/2006" val="SMDATA_16_xzE7ZxMAAAAlAAAAZAAAAA0AAAAAkAAAAEgAAACQAAAASAAAAAAAAAABAAAAAAAAAAEAAABQAAAAAAAAAAAA4D8AAAAAAADgPwAAAAAAAOA/AAAAAAAA4D8AAAAAAADgPwAAAAAAAOA/AAAAAAAA4D8AAAAAAADgPwAAAAAAAOA/AAAAAAAA4D8CAAAAjAAAAAAAAAAAAAAARHLEDP///wgAAAAAAAAAAAAAAAAAAAAAAAAAAAAAAAAAAAAAZAAAAAEAAABAAAAAAAAAAAAAAAAAAAAAAAAAAAAAAAAAAAAAAAAAAAAAAAAAAAAAAAAAAAAAAAAAAAAAAAAAAAAAAAAAAAAAAAAAAAAAAAAAAAAAAAAAAAAAAAAAAAAAFAAAADwAAAAAAAAAAAAAAAAAAAkUAAAAAQAAABQAAAAUAAAAFAAAAAEAAAAAAAAAZAAAAGQAAAAAAAAAZAAAAGQAAAAVAAAAYAAAAAAAAAAAAAAADwAAACADAAAAAAAAAAAAAAEAAACgMgAAVgcAAKr4//8BAAAAf39/AAEAAABkAAAAAAAAABQAAABAHwAAAAAAACYAAAAAAAAAwOD//wAAAAAmAAAAZAAAABYAAABMAAAAAAAAAAAAAAAEAAAAAAAAAAEAAADn5uYKAAAAACgAAAAoAAAAZAAAAGQAAAAAAAAAzMzMAAAAAABQAAAAUAAAAGQAAABkAAAAAAAAABcAAAAUAAAAAAAAAAAAAAD/fwAA/38AAAAAAAAJAAAABAAAAGwAZQAeAAAAaAAAAAAAAAAAAAAAAAAAAAAAAAAAAAAAECcAABAnAAAAAAAAAAAAAAAAAAAAAAAAAAAAAAAAAAAAAAAAAAAAABQAAAAAAAAAwMD/AAAAAABkAAAAMgAAAAAAAABkAAAAAAAAAH9/fwAKAAAAIgAAABgAAAAAAAAAAAAAAAAAAAAAAAAAAAAAAAAAAAAkAAAAJAAAAAAAAAAHAAAAAAAAAAAAAAAAAAAAAAAAAAAAAAAAAAAAf39/ACUAAABYAAAAAAAAAAAAAAAAAAAAAAAAAAAAAAAAAAAAAAAAAAAAAAAAAAAAAAAAAAAAAAA/AAAAAAAAAKCGAQAAAAAAAAAAAAAAAAAMAAAAAQAAAAAAAAAAAAAAAAAAAB8AAABUAAAAAAAABQAAAAEAAAAAAAAAAAAAAAAAAAAAAAAAAAAAAAAAAAAAAAAAAAAAAAJ/f38AAAAAA8zMzADAwP8Af39/AAAAAAAAAAAAAAAAAAAAAAAAAAAAIQAAABgAAAAUAAAA2BgAABonAAAoMgAAWSkAABAAAAAmAAAACAAAAAAAAAAAAAAAMAAAABQAAAAAAAAAAAD//wAAAQAAAP//AAABAA=="/>
               </a:ext>
             </a:extLst>
           </p:cNvSpPr>
@@ -1576,7 +1576,7 @@
             <a:spLocks noGrp="1" noChangeArrowheads="1"/>
             <a:extLst>
               <a:ext uri="smNativeData">
-                <pr:smNativeData xmlns:mc="http://schemas.openxmlformats.org/markup-compatibility/2006" xmlns:p14="http://schemas.microsoft.com/office/powerpoint/2010/main" xmlns:p15="http://schemas.microsoft.com/office/powerpoint/2012/main" xmlns:pr="smNativeData" xmlns="smNativeData" val="SMDATA_16_xzE7ZxMAAAAlAAAAZAAAAA0AAAAAkAAAAEgAAACQAAAASAAAAAAAAAABAAAAAAAAAAEAAABQAAAAAAAAAAAA4D8AAAAAAADgPwAAAAAAAOA/AAAAAAAA4D8AAAAAAADgPwAAAAAAAOA/AAAAAAAA4D8AAAAAAADgPwAAAAAAAOA/AAAAAAAA4D8CAAAAjAAAAAAAAAAAAAAARHLEDP///wgAAAAAAAAAAAAAAAAAAAAAAAAAAAAAAAAAAAAAZAAAAAEAAABAAAAAAAAAAAAAAAAAAAAAAAAAAAAAAAAAAAAAAAAAAAAAAAAAAAAAAAAAAAAAAAAAAAAAAAAAAAAAAAAAAAAAAAAAAAAAAAAAAAAAAAAAAAAAAAAAAAAAFAAAADwAAAAAAAAAAAAAAAAAAAkUAAAAAQAAABQAAAAUAAAAFAAAAAEAAAAAAAAAZAAAAGQAAAAAAAAAZAAAAGQAAAAVAAAAYAAAAAAAAAAAAAAADwAAACADAAAAAAAAAAAAAAEAAACgMgAAVgcAAKr4//8BAAAAf39/AAEAAABkAAAAAAAAABQAAABAHwAAAAAAACYAAAAAAAAAwOD//wAAAAAmAAAAZAAAABYAAABMAAAAAAAAAAAAAAAEAAAAAAAAAAEAAADn5uYKAAAAACgAAAAoAAAAZAAAAGQAAAAAAAAAzMzMAAAAAABQAAAAUAAAAGQAAABkAAAAAAAAABcAAAAUAAAAAAAAAAAAAAD/fwAA/38AAAAAAAAJAAAABAAAAHAgGrceAAAAaAAAAAAAAAAAAAAAAAAAAAAAAAAAAAAAECcAABAnAAAAAAAAAAAAAAAAAAAAAAAAAAAAAAAAAAAAAAAAAAAAABQAAAAAAAAAwMD/AAAAAABkAAAAMgAAAAAAAABkAAAAAAAAAH9/fwAKAAAAIgAAABgAAAAAAAAAAAAAAAAAAAAAAAAAAAAAAAAAAAAkAAAAJAAAAAAAAAAHAAAAAAAAAAAAAAAAAAAAAAAAAAAAAAAAAAAAf39/ACUAAABYAAAAAAAAAAAAAAAAAAAAAAAAAAAAAAAAAAAAAAAAAAAAAAAAAAAAAAAAAAAAAAA/AAAAAAAAAKCGAQAAAAAAAAAAAAAAAAAMAAAAAQAAAAAAAAAAAAAAAAAAAB8AAABUAAAAAAAABQAAAAEAAAAAAAAAAAAAAAAAAAAAAAAAAAAAAAAAAAAAAAAAAAAAAAJ/f38AAAAAA8zMzADAwP8Af39/AAAAAAAAAAAAAAAAAAAAAAAAAAAAIQAAABgAAAAUAAAA+DQAABonAADYRQAAWSkAABAAAAAmAAAACAAAAAAAAAAAAAAAMAAAABQAAAAAAAAAAAD//wAAAQAAAP//AAABAA=="/>
+                <pr:smNativeData xmlns="smNativeData" xmlns:pr="smNativeData" xmlns:p15="http://schemas.microsoft.com/office/powerpoint/2012/main" xmlns:p14="http://schemas.microsoft.com/office/powerpoint/2010/main" xmlns:mc="http://schemas.openxmlformats.org/markup-compatibility/2006" val="SMDATA_16_xzE7ZxMAAAAlAAAAZAAAAA0AAAAAkAAAAEgAAACQAAAASAAAAAAAAAABAAAAAAAAAAEAAABQAAAAAAAAAAAA4D8AAAAAAADgPwAAAAAAAOA/AAAAAAAA4D8AAAAAAADgPwAAAAAAAOA/AAAAAAAA4D8AAAAAAADgPwAAAAAAAOA/AAAAAAAA4D8CAAAAjAAAAAAAAAAAAAAARHLEDP///wgAAAAAAAAAAAAAAAAAAAAAAAAAAAAAAAAAAAAAZAAAAAEAAABAAAAAAAAAAAAAAAAAAAAAAAAAAAAAAAAAAAAAAAAAAAAAAAAAAAAAAAAAAAAAAAAAAAAAAAAAAAAAAAAAAAAAAAAAAAAAAAAAAAAAAAAAAAAAAAAAAAAAFAAAADwAAAAAAAAAAAAAAAAAAAkUAAAAAQAAABQAAAAUAAAAFAAAAAEAAAAAAAAAZAAAAGQAAAAAAAAAZAAAAGQAAAAVAAAAYAAAAAAAAAAAAAAADwAAACADAAAAAAAAAAAAAAEAAACgMgAAVgcAAKr4//8BAAAAf39/AAEAAABkAAAAAAAAABQAAABAHwAAAAAAACYAAAAAAAAAwOD//wAAAAAmAAAAZAAAABYAAABMAAAAAAAAAAAAAAAEAAAAAAAAAAEAAADn5uYKAAAAACgAAAAoAAAAZAAAAGQAAAAAAAAAzMzMAAAAAABQAAAAUAAAAGQAAABkAAAAAAAAABcAAAAUAAAAAAAAAAAAAAD/fwAA/38AAAAAAAAJAAAABAAAAHAgGrceAAAAaAAAAAAAAAAAAAAAAAAAAAAAAAAAAAAAECcAABAnAAAAAAAAAAAAAAAAAAAAAAAAAAAAAAAAAAAAAAAAAAAAABQAAAAAAAAAwMD/AAAAAABkAAAAMgAAAAAAAABkAAAAAAAAAH9/fwAKAAAAIgAAABgAAAAAAAAAAAAAAAAAAAAAAAAAAAAAAAAAAAAkAAAAJAAAAAAAAAAHAAAAAAAAAAAAAAAAAAAAAAAAAAAAAAAAAAAAf39/ACUAAABYAAAAAAAAAAAAAAAAAAAAAAAAAAAAAAAAAAAAAAAAAAAAAAAAAAAAAAAAAAAAAAA/AAAAAAAAAKCGAQAAAAAAAAAAAAAAAAAMAAAAAQAAAAAAAAAAAAAAAAAAAB8AAABUAAAAAAAABQAAAAEAAAAAAAAAAAAAAAAAAAAAAAAAAAAAAAAAAAAAAAAAAAAAAAJ/f38AAAAAA8zMzADAwP8Af39/AAAAAAAAAAAAAAAAAAAAAAAAAAAAIQAAABgAAAAUAAAA+DQAABonAADYRQAAWSkAABAAAAAmAAAACAAAAAAAAAAAAAAAMAAAABQAAAAAAAAAAAD//wAAAQAAAP//AAABAA=="/>
               </a:ext>
             </a:extLst>
           </p:cNvSpPr>
@@ -1632,7 +1632,7 @@
             <a:spLocks noGrp="1" noChangeArrowheads="1"/>
             <a:extLst>
               <a:ext uri="smNativeData">
-                <pr:smNativeData xmlns:mc="http://schemas.openxmlformats.org/markup-compatibility/2006" xmlns:p14="http://schemas.microsoft.com/office/powerpoint/2010/main" xmlns:p15="http://schemas.microsoft.com/office/powerpoint/2012/main" xmlns:pr="smNativeData" xmlns="smNativeData" val="SMDATA_16_xzE7ZxMAAAAlAAAAZAAAAA0AAAAAkAAAAEgAAACQAAAASAAAAAAAAAABAAAAAAAAAAEAAABQAAAAAAAAAAAA4D8AAAAAAADgPwAAAAAAAOA/AAAAAAAA4D8AAAAAAADgPwAAAAAAAOA/AAAAAAAA4D8AAAAAAADgPwAAAAAAAOA/AAAAAAAA4D8CAAAAjAAAAAAAAAAAAAAARHLEDP///wgAAAAAAAAAAAAAAAAAAAAAAAAAAAAAAAAAAAAAZAAAAAEAAABAAAAAAAAAAAAAAAAAAAAAAAAAAAAAAAAAAAAAAAAAAAAAAAAAAAAAAAAAAAAAAAAAAAAAAAAAAAAAAAAAAAAAAAAAAAAAAAAAAAAAAAAAAAAAAAAAAAAAFAAAADwAAAAAAAAAAAAAAAAAAAkUAAAAAQAAABQAAAAUAAAAFAAAAAEAAAAAAAAAZAAAAGQAAAAAAAAAZAAAAGQAAAAVAAAAYAAAAAAAAAAAAAAADwAAACADAAAAAAAAAAAAAAEAAACgMgAAVgcAAKr4//8BAAAAf39/AAEAAABkAAAAAAAAABQAAABAHwAAAAAAACYAAAAAAAAAwOD//wAAAAAmAAAAZAAAABYAAABMAAAAAAAAAAAAAAAEAAAAAAAAAAEAAADn5uYKAAAAACgAAAAoAAAAZAAAAGQAAAAAAAAAzMzMAAAAAABQAAAAUAAAAGQAAABkAAAAAAAAABcAAAAUAAAAAAAAAAAAAAD/fwAA/38AAAAAAAAJAAAABAAAAAAAAAAeAAAAaAAAAAAAAAAAAAAAAAAAAAAAAAAAAAAAECcAABAnAAAAAAAAAAAAAAAAAAAAAAAAAAAAAAAAAAAAAAAAAAAAABQAAAAAAAAAwMD/AAAAAABkAAAAMgAAAAAAAABkAAAAAAAAAH9/fwAKAAAAIgAAABgAAAAAAAAAAAAAAAAAAAAAAAAAAAAAAAAAAAAkAAAAJAAAAAAAAAAHAAAAAAAAAAAAAAAAAAAAAAAAAAAAAAAAAAAAf39/ACUAAABYAAAAAAAAAAAAAAAAAAAAAAAAAAAAAAAAAAAAAAAAAAAAAAAAAAAAAAAAAAAAAAA/AAAAAAAAAKCGAQAAAAAAAAAAAAAAAAAMAAAAAQAAAAAAAAAAAAAAAAAAAB8AAABUAAAAAAAABQAAAAEAAAAAAAAAAAAAAAAAAAAAAAAAAAAAAAAAAAAAAAAAAAAAAAJ/f38AAAAAA8zMzADAwP8Af39/AAAAAAAAAAAAAAAAAAAAAAAAAAAAIQAAABgAAAAUAAAAKAUAAD8CAADYRQAAZwoAABAAAAAmAAAACAAAAAAAAAAAAAAAMAAAABQAAAAAAAAAAAD//wAAAQAAAP//AAABAA=="/>
+                <pr:smNativeData xmlns="smNativeData" xmlns:pr="smNativeData" xmlns:p15="http://schemas.microsoft.com/office/powerpoint/2012/main" xmlns:p14="http://schemas.microsoft.com/office/powerpoint/2010/main" xmlns:mc="http://schemas.openxmlformats.org/markup-compatibility/2006" val="SMDATA_16_xzE7ZxMAAAAlAAAAZAAAAA0AAAAAkAAAAEgAAACQAAAASAAAAAAAAAABAAAAAAAAAAEAAABQAAAAAAAAAAAA4D8AAAAAAADgPwAAAAAAAOA/AAAAAAAA4D8AAAAAAADgPwAAAAAAAOA/AAAAAAAA4D8AAAAAAADgPwAAAAAAAOA/AAAAAAAA4D8CAAAAjAAAAAAAAAAAAAAARHLEDP///wgAAAAAAAAAAAAAAAAAAAAAAAAAAAAAAAAAAAAAZAAAAAEAAABAAAAAAAAAAAAAAAAAAAAAAAAAAAAAAAAAAAAAAAAAAAAAAAAAAAAAAAAAAAAAAAAAAAAAAAAAAAAAAAAAAAAAAAAAAAAAAAAAAAAAAAAAAAAAAAAAAAAAFAAAADwAAAAAAAAAAAAAAAAAAAkUAAAAAQAAABQAAAAUAAAAFAAAAAEAAAAAAAAAZAAAAGQAAAAAAAAAZAAAAGQAAAAVAAAAYAAAAAAAAAAAAAAADwAAACADAAAAAAAAAAAAAAEAAACgMgAAVgcAAKr4//8BAAAAf39/AAEAAABkAAAAAAAAABQAAABAHwAAAAAAACYAAAAAAAAAwOD//wAAAAAmAAAAZAAAABYAAABMAAAAAAAAAAAAAAAEAAAAAAAAAAEAAADn5uYKAAAAACgAAAAoAAAAZAAAAGQAAAAAAAAAzMzMAAAAAABQAAAAUAAAAGQAAABkAAAAAAAAABcAAAAUAAAAAAAAAAAAAAD/fwAA/38AAAAAAAAJAAAABAAAAAAAAAAeAAAAaAAAAAAAAAAAAAAAAAAAAAAAAAAAAAAAECcAABAnAAAAAAAAAAAAAAAAAAAAAAAAAAAAAAAAAAAAAAAAAAAAABQAAAAAAAAAwMD/AAAAAABkAAAAMgAAAAAAAABkAAAAAAAAAH9/fwAKAAAAIgAAABgAAAAAAAAAAAAAAAAAAAAAAAAAAAAAAAAAAAAkAAAAJAAAAAAAAAAHAAAAAAAAAAAAAAAAAAAAAAAAAAAAAAAAAAAAf39/ACUAAABYAAAAAAAAAAAAAAAAAAAAAAAAAAAAAAAAAAAAAAAAAAAAAAAAAAAAAAAAAAAAAAA/AAAAAAAAAKCGAQAAAAAAAAAAAAAAAAAMAAAAAQAAAAAAAAAAAAAAAAAAAB8AAABUAAAAAAAABQAAAAEAAAAAAAAAAAAAAAAAAAAAAAAAAAAAAAAAAAAAAAAAAAAAAAJ/f38AAAAAA8zMzADAwP8Af39/AAAAAAAAAAAAAAAAAAAAAAAAAAAAIQAAABgAAAAUAAAAKAUAAD8CAADYRQAAZwoAABAAAAAmAAAACAAAAAAAAAAAAAAAMAAAABQAAAAAAAAAAAD//wAAAQAAAP//AAABAA=="/>
               </a:ext>
             </a:extLst>
           </p:cNvSpPr>
@@ -1661,7 +1661,7 @@
             <a:spLocks noGrp="1" noChangeArrowheads="1"/>
             <a:extLst>
               <a:ext uri="smNativeData">
-                <pr:smNativeData xmlns:mc="http://schemas.openxmlformats.org/markup-compatibility/2006" xmlns:p14="http://schemas.microsoft.com/office/powerpoint/2010/main" xmlns:p15="http://schemas.microsoft.com/office/powerpoint/2012/main" xmlns:pr="smNativeData" xmlns="smNativeData" val="SMDATA_16_xzE7ZxMAAAAlAAAAZAAAAA0AAAAAkAAAAEgAAACQAAAASAAAAAAAAAAAAAAAAQAAAAEAAABQAAAAAAAAAAAA4D8AAAAAAADgPwAAAAAAAOA/AAAAAAAA4D8AAAAAAADgPwAAAAAAAOA/AAAAAAAA4D8AAAAAAADgPwAAAAAAAOA/AAAAAAAA4D8CAAAAjAAAAAAAAAAAAAAARHLEDP///wgAAAAAAAAAAAAAAAAAAAAAAAAAAAAAAAAAAAAAZAAAAAEAAABAAAAAAAAAAAAAAAAAAAAAAAAAAAAAAAAAAAAAAAAAAAAAAAAAAAAAAAAAAAAAAAAAAAAAAAAAAAAAAAAAAAAAAAAAAAAAAAAAAAAAAAAAAAAAAAAAAAAAFAAAADwAAAAAAAAAAAAAAAAAAAkUAAAAAQAAABQAAAAUAAAAFAAAAAEAAAAAAAAAZAAAAGQAAAAAAAAAZAAAAGQAAAAVAAAAYAAAAAAAAAAAAAAADwAAACADAAAAAAAAAAAAAAEAAACgMgAAVgcAAKr4//8BAAAAf39/AAEAAABkAAAAAAAAABQAAABAHwAAAAAAACYAAAAAAAAAwOD//wAAAAAmAAAAZAAAABYAAABMAAAAAAAAAAAAAAAEAAAAAAAAAAEAAADn5uYKAAAAACgAAAAoAAAAZAAAAGQAAAAAAAAAzMzMAAAAAABQAAAAUAAAAGQAAABkAAAAAAAAABcAAAAUAAAAAAAAAAAAAAD/fwAA/38AAAAAAAAJAAAABAAAAAAAAAAeAAAAaAAAAAAAAAAAAAAAAAAAAAAAAAAAAAAAECcAABAnAAAAAAAAAAAAAAAAAAAAAAAAAAAAAAAAAAAAAAAAAAAAABQAAAAAAAAAwMD/AAAAAABkAAAAMgAAAAAAAABkAAAAAAAAAH9/fwAKAAAAIgAAABgAAAAAAAAAAAAAAAAAAAAAAAAAAAAAAAAAAAAkAAAAJAAAAAAAAAAHAAAAAAAAAAAAAAAAAAAAAAAAAAAAAAAAAAAAf39/ACUAAABYAAAAAAAAAAAAAAAAAAAAAAAAAAAAAAAAAAAAAAAAAAAAAAAAAAAAAAAAAAAAAAA/AAAAAAAAAKCGAQAAAAAAAAAAAAAAAAAMAAAAAQAAAAAAAAAAAAAAAAAAAB8AAABUAAAAAAAABQAAAAEAAAAAAAAAAAAAAAAAAAAAAAAAAAAAAAAAAAAAAAAAAAAAAAJ/f38AAAAAA8zMzADAwP8Af39/AAAAAAAAAAAAAAAAAAAAAAAAAAAAIQAAABgAAAAUAAAAKAUAADsLAADYRQAAACYAABAAAAAmAAAACAAAAAIAAAAAAAAAMAAAABQAAAAAAAAAAAD//wAAAQAAAP//AAABAA=="/>
+                <pr:smNativeData xmlns="smNativeData" xmlns:pr="smNativeData" xmlns:p15="http://schemas.microsoft.com/office/powerpoint/2012/main" xmlns:p14="http://schemas.microsoft.com/office/powerpoint/2010/main" xmlns:mc="http://schemas.openxmlformats.org/markup-compatibility/2006" val="SMDATA_16_xzE7ZxMAAAAlAAAAZAAAAA0AAAAAkAAAAEgAAACQAAAASAAAAAAAAAAAAAAAAQAAAAEAAABQAAAAAAAAAAAA4D8AAAAAAADgPwAAAAAAAOA/AAAAAAAA4D8AAAAAAADgPwAAAAAAAOA/AAAAAAAA4D8AAAAAAADgPwAAAAAAAOA/AAAAAAAA4D8CAAAAjAAAAAAAAAAAAAAARHLEDP///wgAAAAAAAAAAAAAAAAAAAAAAAAAAAAAAAAAAAAAZAAAAAEAAABAAAAAAAAAAAAAAAAAAAAAAAAAAAAAAAAAAAAAAAAAAAAAAAAAAAAAAAAAAAAAAAAAAAAAAAAAAAAAAAAAAAAAAAAAAAAAAAAAAAAAAAAAAAAAAAAAAAAAFAAAADwAAAAAAAAAAAAAAAAAAAkUAAAAAQAAABQAAAAUAAAAFAAAAAEAAAAAAAAAZAAAAGQAAAAAAAAAZAAAAGQAAAAVAAAAYAAAAAAAAAAAAAAADwAAACADAAAAAAAAAAAAAAEAAACgMgAAVgcAAKr4//8BAAAAf39/AAEAAABkAAAAAAAAABQAAABAHwAAAAAAACYAAAAAAAAAwOD//wAAAAAmAAAAZAAAABYAAABMAAAAAAAAAAAAAAAEAAAAAAAAAAEAAADn5uYKAAAAACgAAAAoAAAAZAAAAGQAAAAAAAAAzMzMAAAAAABQAAAAUAAAAGQAAABkAAAAAAAAABcAAAAUAAAAAAAAAAAAAAD/fwAA/38AAAAAAAAJAAAABAAAAAAAAAAeAAAAaAAAAAAAAAAAAAAAAAAAAAAAAAAAAAAAECcAABAnAAAAAAAAAAAAAAAAAAAAAAAAAAAAAAAAAAAAAAAAAAAAABQAAAAAAAAAwMD/AAAAAABkAAAAMgAAAAAAAABkAAAAAAAAAH9/fwAKAAAAIgAAABgAAAAAAAAAAAAAAAAAAAAAAAAAAAAAAAAAAAAkAAAAJAAAAAAAAAAHAAAAAAAAAAAAAAAAAAAAAAAAAAAAAAAAAAAAf39/ACUAAABYAAAAAAAAAAAAAAAAAAAAAAAAAAAAAAAAAAAAAAAAAAAAAAAAAAAAAAAAAAAAAAA/AAAAAAAAAKCGAQAAAAAAAAAAAAAAAAAMAAAAAQAAAAAAAAAAAAAAAAAAAB8AAABUAAAAAAAABQAAAAEAAAAAAAAAAAAAAAAAAAAAAAAAAAAAAAAAAAAAAAAAAAAAAAJ/f38AAAAAA8zMzADAwP8Af39/AAAAAAAAAAAAAAAAAAAAAAAAAAAAIQAAABgAAAAUAAAAKAUAADsLAADYRQAAACYAABAAAAAmAAAACAAAAAIAAAAAAAAAMAAAABQAAAAAAAAAAAD//wAAAQAAAP//AAABAA=="/>
               </a:ext>
             </a:extLst>
           </p:cNvSpPr>
@@ -1726,7 +1726,7 @@
             <a:spLocks noGrp="1" noChangeArrowheads="1"/>
             <a:extLst>
               <a:ext uri="smNativeData">
-                <pr:smNativeData xmlns:mc="http://schemas.openxmlformats.org/markup-compatibility/2006" xmlns:p14="http://schemas.microsoft.com/office/powerpoint/2010/main" xmlns:p15="http://schemas.microsoft.com/office/powerpoint/2012/main" xmlns:pr="smNativeData" xmlns="smNativeData" val="SMDATA_16_xzE7ZxMAAAAlAAAAZAAAAA0AAAAAkAAAAEgAAACQAAAASAAAAAAAAAABAAAAAAAAAAEAAABQAAAAAAAAAAAA4D8AAAAAAADgPwAAAAAAAOA/AAAAAAAA4D8AAAAAAADgPwAAAAAAAOA/AAAAAAAA4D8AAAAAAADgPwAAAAAAAOA/AAAAAAAA4D8CAAAAjAAAAAAAAAAAAAAARHLEDP///wgAAAAAAAAAAAAAAAAAAAAAAAAAAAAAAAAAAAAAZAAAAAEAAABAAAAAAAAAAAAAAAAAAAAAAAAAAAAAAAAAAAAAAAAAAAAAAAAAAAAAAAAAAAAAAAAAAAAAAAAAAAAAAAAAAAAAAAAAAAAAAAAAAAAAAAAAAAAAAAAAAAAAFAAAADwAAAAAAAAAAAAAAAAAAAkUAAAAAQAAABQAAAAUAAAAFAAAAAEAAAAAAAAAZAAAAGQAAAAAAAAAZAAAAGQAAAAVAAAAYAAAAAAAAAAAAAAADwAAACADAAAAAAAAAAAAAAEAAACgMgAAVgcAAKr4//8BAAAAf39/AAEAAABkAAAAAAAAABQAAABAHwAAAAAAACYAAAAAAAAAwOD//wAAAAAmAAAAZAAAABYAAABMAAAAAAAAAAAAAAAEAAAAAAAAAAEAAADn5uYKAAAAACgAAAAoAAAAZAAAAGQAAAAAAAAAzMzMAAAAAABQAAAAUAAAAGQAAABkAAAAAAAAABcAAAAUAAAAAAAAAAAAAAD/fwAA/38AAAAAAAAJAAAABAAAAAAAAAAeAAAAaAAAAAAAAAAAAAAAAAAAAAAAAAAAAAAAECcAABAnAAAAAAAAAAAAAAAAAAAAAAAAAAAAAAAAAAAAAAAAAAAAABQAAAAAAAAAwMD/AAAAAABkAAAAMgAAAAAAAABkAAAAAAAAAH9/fwAKAAAAIgAAABgAAAAAAAAAAAAAAAAAAAAAAAAAAAAAAAAAAAAkAAAAJAAAAAAAAAAHAAAAAAAAAAAAAAAAAAAAAAAAAAAAAAAAAAAAf39/ACUAAABYAAAAAAAAAAAAAAAAAAAAAAAAAAAAAAAAAAAAAAAAAAAAAAAAAAAAAAAAAAAAAAA/AAAAAAAAAKCGAQAAAAAAAAAAAAAAAAAMAAAAAQAAAAAAAAAAAAAAAAAAAB8AAABUAAAAAAAABQAAAAEAAAAAAAAAAAAAAAAAAAAAAAAAAAAAAAAAAAAAAAAAAAAAAAJ/f38AAAAAA8zMzADAwP8Af39/AAAAAAAAAAAAAAAAAAAAAAAAAAAAIQAAABgAAAAUAAAAKAUAABonAAAIFgAAWSkAABAAAAAmAAAACAAAAAAAAAAAAAAAMAAAABQAAAAAAAAAAAD//wAAAQAAAP//AAABAA=="/>
+                <pr:smNativeData xmlns="smNativeData" xmlns:pr="smNativeData" xmlns:p15="http://schemas.microsoft.com/office/powerpoint/2012/main" xmlns:p14="http://schemas.microsoft.com/office/powerpoint/2010/main" xmlns:mc="http://schemas.openxmlformats.org/markup-compatibility/2006" val="SMDATA_16_xzE7ZxMAAAAlAAAAZAAAAA0AAAAAkAAAAEgAAACQAAAASAAAAAAAAAABAAAAAAAAAAEAAABQAAAAAAAAAAAA4D8AAAAAAADgPwAAAAAAAOA/AAAAAAAA4D8AAAAAAADgPwAAAAAAAOA/AAAAAAAA4D8AAAAAAADgPwAAAAAAAOA/AAAAAAAA4D8CAAAAjAAAAAAAAAAAAAAARHLEDP///wgAAAAAAAAAAAAAAAAAAAAAAAAAAAAAAAAAAAAAZAAAAAEAAABAAAAAAAAAAAAAAAAAAAAAAAAAAAAAAAAAAAAAAAAAAAAAAAAAAAAAAAAAAAAAAAAAAAAAAAAAAAAAAAAAAAAAAAAAAAAAAAAAAAAAAAAAAAAAAAAAAAAAFAAAADwAAAAAAAAAAAAAAAAAAAkUAAAAAQAAABQAAAAUAAAAFAAAAAEAAAAAAAAAZAAAAGQAAAAAAAAAZAAAAGQAAAAVAAAAYAAAAAAAAAAAAAAADwAAACADAAAAAAAAAAAAAAEAAACgMgAAVgcAAKr4//8BAAAAf39/AAEAAABkAAAAAAAAABQAAABAHwAAAAAAACYAAAAAAAAAwOD//wAAAAAmAAAAZAAAABYAAABMAAAAAAAAAAAAAAAEAAAAAAAAAAEAAADn5uYKAAAAACgAAAAoAAAAZAAAAGQAAAAAAAAAzMzMAAAAAABQAAAAUAAAAGQAAABkAAAAAAAAABcAAAAUAAAAAAAAAAAAAAD/fwAA/38AAAAAAAAJAAAABAAAAAAAAAAeAAAAaAAAAAAAAAAAAAAAAAAAAAAAAAAAAAAAECcAABAnAAAAAAAAAAAAAAAAAAAAAAAAAAAAAAAAAAAAAAAAAAAAABQAAAAAAAAAwMD/AAAAAABkAAAAMgAAAAAAAABkAAAAAAAAAH9/fwAKAAAAIgAAABgAAAAAAAAAAAAAAAAAAAAAAAAAAAAAAAAAAAAkAAAAJAAAAAAAAAAHAAAAAAAAAAAAAAAAAAAAAAAAAAAAAAAAAAAAf39/ACUAAABYAAAAAAAAAAAAAAAAAAAAAAAAAAAAAAAAAAAAAAAAAAAAAAAAAAAAAAAAAAAAAAA/AAAAAAAAAKCGAQAAAAAAAAAAAAAAAAAMAAAAAQAAAAAAAAAAAAAAAAAAAB8AAABUAAAAAAAABQAAAAEAAAAAAAAAAAAAAAAAAAAAAAAAAAAAAAAAAAAAAAAAAAAAAAJ/f38AAAAAA8zMzADAwP8Af39/AAAAAAAAAAAAAAAAAAAAAAAAAAAAIQAAABgAAAAUAAAAKAUAABonAAAIFgAAWSkAABAAAAAmAAAACAAAAAAAAAAAAAAAMAAAABQAAAAAAAAAAAD//wAAAQAAAP//AAABAA=="/>
               </a:ext>
             </a:extLst>
           </p:cNvSpPr>
@@ -1756,7 +1756,7 @@
             <a:spLocks noGrp="1" noChangeArrowheads="1"/>
             <a:extLst>
               <a:ext uri="smNativeData">
-                <pr:smNativeData xmlns:mc="http://schemas.openxmlformats.org/markup-compatibility/2006" xmlns:p14="http://schemas.microsoft.com/office/powerpoint/2010/main" xmlns:p15="http://schemas.microsoft.com/office/powerpoint/2012/main" xmlns:pr="smNativeData" xmlns="smNativeData" val="SMDATA_16_xzE7ZxMAAAAlAAAAZAAAAA0AAAAAkAAAAEgAAACQAAAASAAAAAAAAAABAAAAAAAAAAEAAABQAAAAAAAAAAAA4D8AAAAAAADgPwAAAAAAAOA/AAAAAAAA4D8AAAAAAADgPwAAAAAAAOA/AAAAAAAA4D8AAAAAAADgPwAAAAAAAOA/AAAAAAAA4D8CAAAAjAAAAAAAAAAAAAAARHLEDP///wgAAAAAAAAAAAAAAAAAAAAAAAAAAAAAAAAAAAAAZAAAAAEAAABAAAAAAAAAAAAAAAAAAAAAAAAAAAAAAAAAAAAAAAAAAAAAAAAAAAAAAAAAAAAAAAAAAAAAAAAAAAAAAAAAAAAAAAAAAAAAAAAAAAAAAAAAAAAAAAAAAAAAFAAAADwAAAAAAAAAAAAAAAAAAAkUAAAAAQAAABQAAAAUAAAAFAAAAAEAAAAAAAAAZAAAAGQAAAAAAAAAZAAAAGQAAAAVAAAAYAAAAAAAAAAAAAAADwAAACADAAAAAAAAAAAAAAEAAACgMgAAVgcAAKr4//8BAAAAf39/AAEAAABkAAAAAAAAABQAAABAHwAAAAAAACYAAAAAAAAAwOD//wAAAAAmAAAAZAAAABYAAABMAAAAAAAAAAAAAAAEAAAAAAAAAAEAAADn5uYKAAAAACgAAAAoAAAAZAAAAGQAAAAAAAAAzMzMAAAAAABQAAAAUAAAAGQAAABkAAAAAAAAABcAAAAUAAAAAAAAAAAAAAD/fwAA/38AAAAAAAAJAAAABAAAAAAAAAAeAAAAaAAAAAAAAAAAAAAAAAAAAAAAAAAAAAAAECcAABAnAAAAAAAAAAAAAAAAAAAAAAAAAAAAAAAAAAAAAAAAAAAAABQAAAAAAAAAwMD/AAAAAABkAAAAMgAAAAAAAABkAAAAAAAAAH9/fwAKAAAAIgAAABgAAAAAAAAAAAAAAAAAAAAAAAAAAAAAAAAAAAAkAAAAJAAAAAAAAAAHAAAAAAAAAAAAAAAAAAAAAAAAAAAAAAAAAAAAf39/ACUAAABYAAAAAAAAAAAAAAAAAAAAAAAAAAAAAAAAAAAAAAAAAAAAAAAAAAAAAAAAAAAAAAA/AAAAAAAAAKCGAQAAAAAAAAAAAAAAAAAMAAAAAQAAAAAAAAAAAAAAAAAAAB8AAABUAAAAAAAABQAAAAEAAAAAAAAAAAAAAAAAAAAAAAAAAAAAAAAAAAAAAAAAAAAAAAJ/f38AAAAAA8zMzADAwP8Af39/AAAAAAAAAAAAAAAAAAAAAAAAAAAAIQAAABgAAAAUAAAA2BgAABonAAAoMgAAWSkAABAAAAAmAAAACAAAAAAAAAAAAAAAMAAAABQAAAAAAAAAAAD//wAAAQAAAP//AAABAA=="/>
+                <pr:smNativeData xmlns="smNativeData" xmlns:pr="smNativeData" xmlns:p15="http://schemas.microsoft.com/office/powerpoint/2012/main" xmlns:p14="http://schemas.microsoft.com/office/powerpoint/2010/main" xmlns:mc="http://schemas.openxmlformats.org/markup-compatibility/2006" val="SMDATA_16_xzE7ZxMAAAAlAAAAZAAAAA0AAAAAkAAAAEgAAACQAAAASAAAAAAAAAABAAAAAAAAAAEAAABQAAAAAAAAAAAA4D8AAAAAAADgPwAAAAAAAOA/AAAAAAAA4D8AAAAAAADgPwAAAAAAAOA/AAAAAAAA4D8AAAAAAADgPwAAAAAAAOA/AAAAAAAA4D8CAAAAjAAAAAAAAAAAAAAARHLEDP///wgAAAAAAAAAAAAAAAAAAAAAAAAAAAAAAAAAAAAAZAAAAAEAAABAAAAAAAAAAAAAAAAAAAAAAAAAAAAAAAAAAAAAAAAAAAAAAAAAAAAAAAAAAAAAAAAAAAAAAAAAAAAAAAAAAAAAAAAAAAAAAAAAAAAAAAAAAAAAAAAAAAAAFAAAADwAAAAAAAAAAAAAAAAAAAkUAAAAAQAAABQAAAAUAAAAFAAAAAEAAAAAAAAAZAAAAGQAAAAAAAAAZAAAAGQAAAAVAAAAYAAAAAAAAAAAAAAADwAAACADAAAAAAAAAAAAAAEAAACgMgAAVgcAAKr4//8BAAAAf39/AAEAAABkAAAAAAAAABQAAABAHwAAAAAAACYAAAAAAAAAwOD//wAAAAAmAAAAZAAAABYAAABMAAAAAAAAAAAAAAAEAAAAAAAAAAEAAADn5uYKAAAAACgAAAAoAAAAZAAAAGQAAAAAAAAAzMzMAAAAAABQAAAAUAAAAGQAAABkAAAAAAAAABcAAAAUAAAAAAAAAAAAAAD/fwAA/38AAAAAAAAJAAAABAAAAAAAAAAeAAAAaAAAAAAAAAAAAAAAAAAAAAAAAAAAAAAAECcAABAnAAAAAAAAAAAAAAAAAAAAAAAAAAAAAAAAAAAAAAAAAAAAABQAAAAAAAAAwMD/AAAAAABkAAAAMgAAAAAAAABkAAAAAAAAAH9/fwAKAAAAIgAAABgAAAAAAAAAAAAAAAAAAAAAAAAAAAAAAAAAAAAkAAAAJAAAAAAAAAAHAAAAAAAAAAAAAAAAAAAAAAAAAAAAAAAAAAAAf39/ACUAAABYAAAAAAAAAAAAAAAAAAAAAAAAAAAAAAAAAAAAAAAAAAAAAAAAAAAAAAAAAAAAAAA/AAAAAAAAAKCGAQAAAAAAAAAAAAAAAAAMAAAAAQAAAAAAAAAAAAAAAAAAAB8AAABUAAAAAAAABQAAAAEAAAAAAAAAAAAAAAAAAAAAAAAAAAAAAAAAAAAAAAAAAAAAAAJ/f38AAAAAA8zMzADAwP8Af39/AAAAAAAAAAAAAAAAAAAAAAAAAAAAIQAAABgAAAAUAAAA2BgAABonAAAoMgAAWSkAABAAAAAmAAAACAAAAAAAAAAAAAAAMAAAABQAAAAAAAAAAAD//wAAAQAAAP//AAABAA=="/>
               </a:ext>
             </a:extLst>
           </p:cNvSpPr>
@@ -1783,7 +1783,7 @@
             <a:spLocks noGrp="1" noChangeArrowheads="1"/>
             <a:extLst>
               <a:ext uri="smNativeData">
-                <pr:smNativeData xmlns:mc="http://schemas.openxmlformats.org/markup-compatibility/2006" xmlns:p14="http://schemas.microsoft.com/office/powerpoint/2010/main" xmlns:p15="http://schemas.microsoft.com/office/powerpoint/2012/main" xmlns:pr="smNativeData" xmlns="smNativeData" val="SMDATA_16_xzE7ZxMAAAAlAAAAZAAAAA0AAAAAkAAAAEgAAACQAAAASAAAAAAAAAABAAAAAAAAAAEAAABQAAAAAAAAAAAA4D8AAAAAAADgPwAAAAAAAOA/AAAAAAAA4D8AAAAAAADgPwAAAAAAAOA/AAAAAAAA4D8AAAAAAADgPwAAAAAAAOA/AAAAAAAA4D8CAAAAjAAAAAAAAAAAAAAARHLEDP///wgAAAAAAAAAAAAAAAAAAAAAAAAAAAAAAAAAAAAAZAAAAAEAAABAAAAAAAAAAAAAAAAAAAAAAAAAAAAAAAAAAAAAAAAAAAAAAAAAAAAAAAAAAAAAAAAAAAAAAAAAAAAAAAAAAAAAAAAAAAAAAAAAAAAAAAAAAAAAAAAAAAAAFAAAADwAAAAAAAAAAAAAAAAAAAkUAAAAAQAAABQAAAAUAAAAFAAAAAEAAAAAAAAAZAAAAGQAAAAAAAAAZAAAAGQAAAAVAAAAYAAAAAAAAAAAAAAADwAAACADAAAAAAAAAAAAAAEAAACgMgAAVgcAAKr4//8BAAAAf39/AAEAAABkAAAAAAAAABQAAABAHwAAAAAAACYAAAAAAAAAwOD//wAAAAAmAAAAZAAAABYAAABMAAAAAAAAAAAAAAAEAAAAAAAAAAEAAADn5uYKAAAAACgAAAAoAAAAZAAAAGQAAAAAAAAAzMzMAAAAAABQAAAAUAAAAGQAAABkAAAAAAAAABcAAAAUAAAAAAAAAAAAAAD/fwAA/38AAAAAAAAJAAAABAAAAAAAAAAeAAAAaAAAAAAAAAAAAAAAAAAAAAAAAAAAAAAAECcAABAnAAAAAAAAAAAAAAAAAAAAAAAAAAAAAAAAAAAAAAAAAAAAABQAAAAAAAAAwMD/AAAAAABkAAAAMgAAAAAAAABkAAAAAAAAAH9/fwAKAAAAIgAAABgAAAAAAAAAAAAAAAAAAAAAAAAAAAAAAAAAAAAkAAAAJAAAAAAAAAAHAAAAAAAAAAAAAAAAAAAAAAAAAAAAAAAAAAAAf39/ACUAAABYAAAAAAAAAAAAAAAAAAAAAAAAAAAAAAAAAAAAAAAAAAAAAAAAAAAAAAAAAAAAAAA/AAAAAAAAAKCGAQAAAAAAAAAAAAAAAAAMAAAAAQAAAAAAAAAAAAAAAAAAAB8AAABUAAAAAAAABQAAAAEAAAAAAAAAAAAAAAAAAAAAAAAAAAAAAAAAAAAAAAAAAAAAAAJ/f38AAAAAA8zMzADAwP8Af39/AAAAAAAAAAAAAAAAAAAAAAAAAAAAIQAAABgAAAAUAAAA+DQAABonAADYRQAAWSkAABAAAAAmAAAACAAAAAAAAAAAAAAAMAAAABQAAAAAAAAAAAD//wAAAQAAAP//AAABAA=="/>
+                <pr:smNativeData xmlns="smNativeData" xmlns:pr="smNativeData" xmlns:p15="http://schemas.microsoft.com/office/powerpoint/2012/main" xmlns:p14="http://schemas.microsoft.com/office/powerpoint/2010/main" xmlns:mc="http://schemas.openxmlformats.org/markup-compatibility/2006" val="SMDATA_16_xzE7ZxMAAAAlAAAAZAAAAA0AAAAAkAAAAEgAAACQAAAASAAAAAAAAAABAAAAAAAAAAEAAABQAAAAAAAAAAAA4D8AAAAAAADgPwAAAAAAAOA/AAAAAAAA4D8AAAAAAADgPwAAAAAAAOA/AAAAAAAA4D8AAAAAAADgPwAAAAAAAOA/AAAAAAAA4D8CAAAAjAAAAAAAAAAAAAAARHLEDP///wgAAAAAAAAAAAAAAAAAAAAAAAAAAAAAAAAAAAAAZAAAAAEAAABAAAAAAAAAAAAAAAAAAAAAAAAAAAAAAAAAAAAAAAAAAAAAAAAAAAAAAAAAAAAAAAAAAAAAAAAAAAAAAAAAAAAAAAAAAAAAAAAAAAAAAAAAAAAAAAAAAAAAFAAAADwAAAAAAAAAAAAAAAAAAAkUAAAAAQAAABQAAAAUAAAAFAAAAAEAAAAAAAAAZAAAAGQAAAAAAAAAZAAAAGQAAAAVAAAAYAAAAAAAAAAAAAAADwAAACADAAAAAAAAAAAAAAEAAACgMgAAVgcAAKr4//8BAAAAf39/AAEAAABkAAAAAAAAABQAAABAHwAAAAAAACYAAAAAAAAAwOD//wAAAAAmAAAAZAAAABYAAABMAAAAAAAAAAAAAAAEAAAAAAAAAAEAAADn5uYKAAAAACgAAAAoAAAAZAAAAGQAAAAAAAAAzMzMAAAAAABQAAAAUAAAAGQAAABkAAAAAAAAABcAAAAUAAAAAAAAAAAAAAD/fwAA/38AAAAAAAAJAAAABAAAAAAAAAAeAAAAaAAAAAAAAAAAAAAAAAAAAAAAAAAAAAAAECcAABAnAAAAAAAAAAAAAAAAAAAAAAAAAAAAAAAAAAAAAAAAAAAAABQAAAAAAAAAwMD/AAAAAABkAAAAMgAAAAAAAABkAAAAAAAAAH9/fwAKAAAAIgAAABgAAAAAAAAAAAAAAAAAAAAAAAAAAAAAAAAAAAAkAAAAJAAAAAAAAAAHAAAAAAAAAAAAAAAAAAAAAAAAAAAAAAAAAAAAf39/ACUAAABYAAAAAAAAAAAAAAAAAAAAAAAAAAAAAAAAAAAAAAAAAAAAAAAAAAAAAAAAAAAAAAA/AAAAAAAAAKCGAQAAAAAAAAAAAAAAAAAMAAAAAQAAAAAAAAAAAAAAAAAAAB8AAABUAAAAAAAABQAAAAEAAAAAAAAAAAAAAAAAAAAAAAAAAAAAAAAAAAAAAAAAAAAAAAJ/f38AAAAAA8zMzADAwP8Af39/AAAAAAAAAAAAAAAAAAAAAAAAAAAAIQAAABgAAAAUAAAA+DQAABonAADYRQAAWSkAABAAAAAmAAAACAAAAAAAAAAAAAAAMAAAABQAAAAAAAAAAAD//wAAAQAAAP//AAABAA=="/>
               </a:ext>
             </a:extLst>
           </p:cNvSpPr>
@@ -1839,7 +1839,7 @@
             <a:spLocks noGrp="1" noChangeArrowheads="1"/>
             <a:extLst>
               <a:ext uri="smNativeData">
-                <pr:smNativeData xmlns:mc="http://schemas.openxmlformats.org/markup-compatibility/2006" xmlns:p14="http://schemas.microsoft.com/office/powerpoint/2010/main" xmlns:p15="http://schemas.microsoft.com/office/powerpoint/2012/main" xmlns:pr="smNativeData" xmlns="smNativeData" val="SMDATA_16_xzE7ZxMAAAAlAAAAZAAAAA0AAAAAkAAAAEgAAACQAAAASAAAAAAAAAABAAAAAQAAAAEAAABQAAAAAAAAAAAA4D8AAAAAAADgPwAAAAAAAOA/AAAAAAAA4D8AAAAAAADgPwAAAAAAAOA/AAAAAAAA4D8AAAAAAADgPwAAAAAAAOA/AAAAAAAA4D8CAAAAjAAAAAAAAAAAAAAARHLEDP///wgAAAAAAAAAAAAAAAAAAAAAAAAAAAAAAAAAAAAAZAAAAAEAAABAAAAAAAAAAAAAAAAAAAAAAAAAAAAAAAAAAAAAAAAAAAAAAAAAAAAAAAAAAAAAAAAAAAAAAAAAAAAAAAAAAAAAAAAAAAAAAAAAAAAAAAAAAAAAAAAAAAAAFAAAADwAAAAAAAAAAAAAAAAAAAkUAAAAAQAAABQAAAAUAAAAFAAAAAEAAAAAAAAAZAAAAGQAAAAAAAAAZAAAAGQAAAAVAAAAYAAAAAAAAAAAAAAADwAAACADAAAAAAAAAAAAAAEAAACgMgAAVgcAAKr4//8BAAAAf39/AAEAAABkAAAAAAAAABQAAABAHwAAAAAAACYAAAAAAAAAwOD//wAAAAAmAAAAZAAAABYAAABMAAAAAAAAAAAAAAAEAAAAAAAAAAEAAADn5uYKAAAAACgAAAAoAAAAZAAAAGQAAAAAAAAAzMzMAAAAAABQAAAAUAAAAGQAAABkAAAAAAAAABcAAAAUAAAAAAAAAAAAAAD/fwAA/38AAAAAAAAJAAAABAAAAAAAAAAeAAAAaAAAAAAAAAAAAAAAAAAAAAAAAAAAAAAAECcAABAnAAAAAAAAAAAAAAAAAAAAAAAAAAAAAAAAAAAAAAAAAAAAABQAAAAAAAAAwMD/AAAAAABkAAAAMgAAAAAAAABkAAAAAAAAAH9/fwAKAAAAIgAAABgAAAAAAAAAAAAAAAAAAAAAAAAAAAAAAAAAAAAkAAAAJAAAAAAAAAAHAAAAAAAAAAAAAAAAAAAAAAAAAAAAAAAAAAAAf39/ACUAAABYAAAAAAAAAAAAAAAAAAAAAAAAAAAAAAAAAAAAAAAAAAAAAAAAAAAAAAAAAAAAAAA/AAAAAAAAAKCGAQAAAAAAAAAAAAAAAAAMAAAAAQAAAAAAAAAAAAAAAAAAAB8AAABUAAAAAAAABQAAAAEAAAAAAAAAAAAAAAAAAAAAAAAAAAAAAAAAAAAAAAAAAAAAAAJ/f38AAAAAA8zMzADAwP8Af39/AAAAAAAAAAAAAAAAAAAAAAAAAAAAIQAAABgAAAAUAAAArDUAAD8CAADYRQAAACYAABAAAAAmAAAACAAAAAMAAAAAAAAAMAAAABQAAAAAAAAAAAD//wAAAQAAAP//AAABAA=="/>
+                <pr:smNativeData xmlns="smNativeData" xmlns:pr="smNativeData" xmlns:p15="http://schemas.microsoft.com/office/powerpoint/2012/main" xmlns:p14="http://schemas.microsoft.com/office/powerpoint/2010/main" xmlns:mc="http://schemas.openxmlformats.org/markup-compatibility/2006" val="SMDATA_16_xzE7ZxMAAAAlAAAAZAAAAA0AAAAAkAAAAEgAAACQAAAASAAAAAAAAAABAAAAAQAAAAEAAABQAAAAAAAAAAAA4D8AAAAAAADgPwAAAAAAAOA/AAAAAAAA4D8AAAAAAADgPwAAAAAAAOA/AAAAAAAA4D8AAAAAAADgPwAAAAAAAOA/AAAAAAAA4D8CAAAAjAAAAAAAAAAAAAAARHLEDP///wgAAAAAAAAAAAAAAAAAAAAAAAAAAAAAAAAAAAAAZAAAAAEAAABAAAAAAAAAAAAAAAAAAAAAAAAAAAAAAAAAAAAAAAAAAAAAAAAAAAAAAAAAAAAAAAAAAAAAAAAAAAAAAAAAAAAAAAAAAAAAAAAAAAAAAAAAAAAAAAAAAAAAFAAAADwAAAAAAAAAAAAAAAAAAAkUAAAAAQAAABQAAAAUAAAAFAAAAAEAAAAAAAAAZAAAAGQAAAAAAAAAZAAAAGQAAAAVAAAAYAAAAAAAAAAAAAAADwAAACADAAAAAAAAAAAAAAEAAACgMgAAVgcAAKr4//8BAAAAf39/AAEAAABkAAAAAAAAABQAAABAHwAAAAAAACYAAAAAAAAAwOD//wAAAAAmAAAAZAAAABYAAABMAAAAAAAAAAAAAAAEAAAAAAAAAAEAAADn5uYKAAAAACgAAAAoAAAAZAAAAGQAAAAAAAAAzMzMAAAAAABQAAAAUAAAAGQAAABkAAAAAAAAABcAAAAUAAAAAAAAAAAAAAD/fwAA/38AAAAAAAAJAAAABAAAAAAAAAAeAAAAaAAAAAAAAAAAAAAAAAAAAAAAAAAAAAAAECcAABAnAAAAAAAAAAAAAAAAAAAAAAAAAAAAAAAAAAAAAAAAAAAAABQAAAAAAAAAwMD/AAAAAABkAAAAMgAAAAAAAABkAAAAAAAAAH9/fwAKAAAAIgAAABgAAAAAAAAAAAAAAAAAAAAAAAAAAAAAAAAAAAAkAAAAJAAAAAAAAAAHAAAAAAAAAAAAAAAAAAAAAAAAAAAAAAAAAAAAf39/ACUAAABYAAAAAAAAAAAAAAAAAAAAAAAAAAAAAAAAAAAAAAAAAAAAAAAAAAAAAAAAAAAAAAA/AAAAAAAAAKCGAQAAAAAAAAAAAAAAAAAMAAAAAQAAAAAAAAAAAAAAAAAAAB8AAABUAAAAAAAABQAAAAEAAAAAAAAAAAAAAAAAAAAAAAAAAAAAAAAAAAAAAAAAAAAAAAJ/f38AAAAAA8zMzADAwP8Af39/AAAAAAAAAAAAAAAAAAAAAAAAAAAAIQAAABgAAAAUAAAArDUAAD8CAADYRQAAACYAABAAAAAmAAAACAAAAAMAAAAAAAAAMAAAABQAAAAAAAAAAAD//wAAAQAAAP//AAABAA=="/>
               </a:ext>
             </a:extLst>
           </p:cNvSpPr>
@@ -1877,7 +1877,7 @@
             <a:spLocks noGrp="1" noChangeArrowheads="1"/>
             <a:extLst>
               <a:ext uri="smNativeData">
-                <pr:smNativeData xmlns:mc="http://schemas.openxmlformats.org/markup-compatibility/2006" xmlns:p14="http://schemas.microsoft.com/office/powerpoint/2010/main" xmlns:p15="http://schemas.microsoft.com/office/powerpoint/2012/main" xmlns:pr="smNativeData" xmlns="smNativeData" val="SMDATA_16_xzE7ZxMAAAAlAAAAZAAAAA0AAAAAkAAAAEgAAACQAAAASAAAAAAAAAAAAAAAAQAAAAEAAABQAAAAAAAAAAAA4D8AAAAAAADgPwAAAAAAAOA/AAAAAAAA4D8AAAAAAADgPwAAAAAAAOA/AAAAAAAA4D8AAAAAAADgPwAAAAAAAOA/AAAAAAAA4D8CAAAAjAAAAAAAAAAAAAAARHLEDP///wgAAAAAAAAAAAAAAAAAAAAAAAAAAAAAAAAAAAAAZAAAAAEAAABAAAAAAAAAAAAAAAAAAAAAAAAAAAAAAAAAAAAAAAAAAAAAAAAAAAAAAAAAAAAAAAAAAAAAAAAAAAAAAAAAAAAAAAAAAAAAAAAAAAAAAAAAAAAAAAAAAAAAFAAAADwAAAAAAAAAAAAAAAAAAAkUAAAAAQAAABQAAAAUAAAAFAAAAAEAAAAAAAAAZAAAAGQAAAAAAAAAZAAAAGQAAAAVAAAAYAAAAAAAAAAAAAAADwAAACADAAAAAAAAAAAAAAEAAACgMgAAVgcAAKr4//8BAAAAf39/AAEAAABkAAAAAAAAABQAAABAHwAAAAAAACYAAAAAAAAAwOD//wAAAAAmAAAAZAAAABYAAABMAAAAAAAAAAAAAAAEAAAAAAAAAAEAAADn5uYKAAAAACgAAAAoAAAAZAAAAGQAAAAAAAAAzMzMAAAAAABQAAAAUAAAAGQAAABkAAAAAAAAABcAAAAUAAAAAAAAAAAAAAD/fwAA/38AAAAAAAAJAAAABAAAAAAAAAAeAAAAaAAAAAAAAAAAAAAAAAAAAAAAAAAAAAAAECcAABAnAAAAAAAAAAAAAAAAAAAAAAAAAAAAAAAAAAAAAAAAAAAAABQAAAAAAAAAwMD/AAAAAABkAAAAMgAAAAAAAABkAAAAAAAAAH9/fwAKAAAAIgAAABgAAAAAAAAAAAAAAAAAAAAAAAAAAAAAAAAAAAAkAAAAJAAAAAAAAAAHAAAAAAAAAAAAAAAAAAAAAAAAAAAAAAAAAAAAf39/ACUAAABYAAAAAAAAAAAAAAAAAAAAAAAAAAAAAAAAAAAAAAAAAAAAAAAAAAAAAAAAAAAAAAA/AAAAAAAAAKCGAQAAAAAAAAAAAAAAAAAMAAAAAQAAAAAAAAAAAAAAAAAAAB8AAABUAAAAAAAABQAAAAEAAAAAAAAAAAAAAAAAAAAAAAAAAAAAAAAAAAAAAAAAAAAAAAJ/f38AAAAAA8zMzADAwP8Af39/AAAAAAAAAAAAAAAAAAAAAAAAAAAAIQAAABgAAAAUAAAAKAUAAD8CAAC8NAAAACYAABAAAAAmAAAACAAAAAMAAAAAAAAAMAAAABQAAAAAAAAAAAD//wAAAQAAAP//AAABAA=="/>
+                <pr:smNativeData xmlns="smNativeData" xmlns:pr="smNativeData" xmlns:p15="http://schemas.microsoft.com/office/powerpoint/2012/main" xmlns:p14="http://schemas.microsoft.com/office/powerpoint/2010/main" xmlns:mc="http://schemas.openxmlformats.org/markup-compatibility/2006" val="SMDATA_16_xzE7ZxMAAAAlAAAAZAAAAA0AAAAAkAAAAEgAAACQAAAASAAAAAAAAAAAAAAAAQAAAAEAAABQAAAAAAAAAAAA4D8AAAAAAADgPwAAAAAAAOA/AAAAAAAA4D8AAAAAAADgPwAAAAAAAOA/AAAAAAAA4D8AAAAAAADgPwAAAAAAAOA/AAAAAAAA4D8CAAAAjAAAAAAAAAAAAAAARHLEDP///wgAAAAAAAAAAAAAAAAAAAAAAAAAAAAAAAAAAAAAZAAAAAEAAABAAAAAAAAAAAAAAAAAAAAAAAAAAAAAAAAAAAAAAAAAAAAAAAAAAAAAAAAAAAAAAAAAAAAAAAAAAAAAAAAAAAAAAAAAAAAAAAAAAAAAAAAAAAAAAAAAAAAAFAAAADwAAAAAAAAAAAAAAAAAAAkUAAAAAQAAABQAAAAUAAAAFAAAAAEAAAAAAAAAZAAAAGQAAAAAAAAAZAAAAGQAAAAVAAAAYAAAAAAAAAAAAAAADwAAACADAAAAAAAAAAAAAAEAAACgMgAAVgcAAKr4//8BAAAAf39/AAEAAABkAAAAAAAAABQAAABAHwAAAAAAACYAAAAAAAAAwOD//wAAAAAmAAAAZAAAABYAAABMAAAAAAAAAAAAAAAEAAAAAAAAAAEAAADn5uYKAAAAACgAAAAoAAAAZAAAAGQAAAAAAAAAzMzMAAAAAABQAAAAUAAAAGQAAABkAAAAAAAAABcAAAAUAAAAAAAAAAAAAAD/fwAA/38AAAAAAAAJAAAABAAAAAAAAAAeAAAAaAAAAAAAAAAAAAAAAAAAAAAAAAAAAAAAECcAABAnAAAAAAAAAAAAAAAAAAAAAAAAAAAAAAAAAAAAAAAAAAAAABQAAAAAAAAAwMD/AAAAAABkAAAAMgAAAAAAAABkAAAAAAAAAH9/fwAKAAAAIgAAABgAAAAAAAAAAAAAAAAAAAAAAAAAAAAAAAAAAAAkAAAAJAAAAAAAAAAHAAAAAAAAAAAAAAAAAAAAAAAAAAAAAAAAAAAAf39/ACUAAABYAAAAAAAAAAAAAAAAAAAAAAAAAAAAAAAAAAAAAAAAAAAAAAAAAAAAAAAAAAAAAAA/AAAAAAAAAKCGAQAAAAAAAAAAAAAAAAAMAAAAAQAAAAAAAAAAAAAAAAAAAB8AAABUAAAAAAAABQAAAAEAAAAAAAAAAAAAAAAAAAAAAAAAAAAAAAAAAAAAAAAAAAAAAAJ/f38AAAAAA8zMzADAwP8Af39/AAAAAAAAAAAAAAAAAAAAAAAAAAAAIQAAABgAAAAUAAAAKAUAAD8CAAC8NAAAACYAABAAAAAmAAAACAAAAAMAAAAAAAAAMAAAABQAAAAAAAAAAAD//wAAAQAAAP//AAABAA=="/>
               </a:ext>
             </a:extLst>
           </p:cNvSpPr>
@@ -1947,7 +1947,7 @@
             <a:spLocks noGrp="1" noChangeArrowheads="1"/>
             <a:extLst>
               <a:ext uri="smNativeData">
-                <pr:smNativeData xmlns:mc="http://schemas.openxmlformats.org/markup-compatibility/2006" xmlns:p14="http://schemas.microsoft.com/office/powerpoint/2010/main" xmlns:p15="http://schemas.microsoft.com/office/powerpoint/2012/main" xmlns:pr="smNativeData" xmlns="smNativeData" val="SMDATA_16_xzE7ZxMAAAAlAAAAZAAAAA0AAAAAkAAAAEgAAACQAAAASAAAAAAAAAABAAAAAAAAAAEAAABQAAAAAAAAAAAA4D8AAAAAAADgPwAAAAAAAOA/AAAAAAAA4D8AAAAAAADgPwAAAAAAAOA/AAAAAAAA4D8AAAAAAADgPwAAAAAAAOA/AAAAAAAA4D8CAAAAjAAAAAAAAAAAAAAARHLEDP///wgAAAAAAAAAAAAAAAAAAAAAAAAAAAAAAAAAAAAAZAAAAAEAAABAAAAAAAAAAAAAAAAAAAAAAAAAAAAAAAAAAAAAAAAAAAAAAAAAAAAAAAAAAAAAAAAAAAAAAAAAAAAAAAAAAAAAAAAAAAAAAAAAAAAAAAAAAAAAAAAAAAAAFAAAADwAAAAAAAAAAAAAAAAAAAkUAAAAAQAAABQAAAAUAAAAFAAAAAEAAAAAAAAAZAAAAGQAAAAAAAAAZAAAAGQAAAAVAAAAYAAAAAAAAAAAAAAADwAAACADAAAAAAAAAAAAAAEAAACgMgAAVgcAAKr4//8BAAAAf39/AAEAAABkAAAAAAAAABQAAABAHwAAAAAAACYAAAAAAAAAwOD//wAAAAAmAAAAZAAAABYAAABMAAAAAAAAAAAAAAAEAAAAAAAAAAEAAADn5uYKAAAAACgAAAAoAAAAZAAAAGQAAAAAAAAAzMzMAAAAAABQAAAAUAAAAGQAAABkAAAAAAAAABcAAAAUAAAAAAAAAAAAAAD/fwAA/38AAAAAAAAJAAAABAAAAAAAAAAeAAAAaAAAAAAAAAAAAAAAAAAAAAAAAAAAAAAAECcAABAnAAAAAAAAAAAAAAAAAAAAAAAAAAAAAAAAAAAAAAAAAAAAABQAAAAAAAAAwMD/AAAAAABkAAAAMgAAAAAAAABkAAAAAAAAAH9/fwAKAAAAIgAAABgAAAAAAAAAAAAAAAAAAAAAAAAAAAAAAAAAAAAkAAAAJAAAAAAAAAAHAAAAAAAAAAAAAAAAAAAAAAAAAAAAAAAAAAAAf39/ACUAAABYAAAAAAAAAAAAAAAAAAAAAAAAAAAAAAAAAAAAAAAAAAAAAAAAAAAAAAAAAAAAAAA/AAAAAAAAAKCGAQAAAAAAAAAAAAAAAAAMAAAAAQAAAAAAAAAAAAAAAAAAAB8AAABUAAAAAAAABQAAAAEAAAAAAAAAAAAAAAAAAAAAAAAAAAAAAAAAAAAAAAAAAAAAAAJ/f38AAAAAA8zMzADAwP8Af39/AAAAAAAAAAAAAAAAAAAAAAAAAAAAIQAAABgAAAAUAAAAKAUAABonAAAIFgAAWSkAABAAAAAmAAAACAAAAAAAAAAAAAAAMAAAABQAAAAAAAAAAAD//wAAAQAAAP//AAABAA=="/>
+                <pr:smNativeData xmlns="smNativeData" xmlns:pr="smNativeData" xmlns:p15="http://schemas.microsoft.com/office/powerpoint/2012/main" xmlns:p14="http://schemas.microsoft.com/office/powerpoint/2010/main" xmlns:mc="http://schemas.openxmlformats.org/markup-compatibility/2006" val="SMDATA_16_xzE7ZxMAAAAlAAAAZAAAAA0AAAAAkAAAAEgAAACQAAAASAAAAAAAAAABAAAAAAAAAAEAAABQAAAAAAAAAAAA4D8AAAAAAADgPwAAAAAAAOA/AAAAAAAA4D8AAAAAAADgPwAAAAAAAOA/AAAAAAAA4D8AAAAAAADgPwAAAAAAAOA/AAAAAAAA4D8CAAAAjAAAAAAAAAAAAAAARHLEDP///wgAAAAAAAAAAAAAAAAAAAAAAAAAAAAAAAAAAAAAZAAAAAEAAABAAAAAAAAAAAAAAAAAAAAAAAAAAAAAAAAAAAAAAAAAAAAAAAAAAAAAAAAAAAAAAAAAAAAAAAAAAAAAAAAAAAAAAAAAAAAAAAAAAAAAAAAAAAAAAAAAAAAAFAAAADwAAAAAAAAAAAAAAAAAAAkUAAAAAQAAABQAAAAUAAAAFAAAAAEAAAAAAAAAZAAAAGQAAAAAAAAAZAAAAGQAAAAVAAAAYAAAAAAAAAAAAAAADwAAACADAAAAAAAAAAAAAAEAAACgMgAAVgcAAKr4//8BAAAAf39/AAEAAABkAAAAAAAAABQAAABAHwAAAAAAACYAAAAAAAAAwOD//wAAAAAmAAAAZAAAABYAAABMAAAAAAAAAAAAAAAEAAAAAAAAAAEAAADn5uYKAAAAACgAAAAoAAAAZAAAAGQAAAAAAAAAzMzMAAAAAABQAAAAUAAAAGQAAABkAAAAAAAAABcAAAAUAAAAAAAAAAAAAAD/fwAA/38AAAAAAAAJAAAABAAAAAAAAAAeAAAAaAAAAAAAAAAAAAAAAAAAAAAAAAAAAAAAECcAABAnAAAAAAAAAAAAAAAAAAAAAAAAAAAAAAAAAAAAAAAAAAAAABQAAAAAAAAAwMD/AAAAAABkAAAAMgAAAAAAAABkAAAAAAAAAH9/fwAKAAAAIgAAABgAAAAAAAAAAAAAAAAAAAAAAAAAAAAAAAAAAAAkAAAAJAAAAAAAAAAHAAAAAAAAAAAAAAAAAAAAAAAAAAAAAAAAAAAAf39/ACUAAABYAAAAAAAAAAAAAAAAAAAAAAAAAAAAAAAAAAAAAAAAAAAAAAAAAAAAAAAAAAAAAAA/AAAAAAAAAKCGAQAAAAAAAAAAAAAAAAAMAAAAAQAAAAAAAAAAAAAAAAAAAB8AAABUAAAAAAAABQAAAAEAAAAAAAAAAAAAAAAAAAAAAAAAAAAAAAAAAAAAAAAAAAAAAAJ/f38AAAAAA8zMzADAwP8Af39/AAAAAAAAAAAAAAAAAAAAAAAAAAAAIQAAABgAAAAUAAAAKAUAABonAAAIFgAAWSkAABAAAAAmAAAACAAAAAAAAAAAAAAAMAAAABQAAAAAAAAAAAD//wAAAQAAAP//AAABAA=="/>
               </a:ext>
             </a:extLst>
           </p:cNvSpPr>
@@ -1977,7 +1977,7 @@
             <a:spLocks noGrp="1" noChangeArrowheads="1"/>
             <a:extLst>
               <a:ext uri="smNativeData">
-                <pr:smNativeData xmlns:mc="http://schemas.openxmlformats.org/markup-compatibility/2006" xmlns:p14="http://schemas.microsoft.com/office/powerpoint/2010/main" xmlns:p15="http://schemas.microsoft.com/office/powerpoint/2012/main" xmlns:pr="smNativeData" xmlns="smNativeData" val="SMDATA_16_xzE7ZxMAAAAlAAAAZAAAAA0AAAAAkAAAAEgAAACQAAAASAAAAAAAAAABAAAAAAAAAAEAAABQAAAAAAAAAAAA4D8AAAAAAADgPwAAAAAAAOA/AAAAAAAA4D8AAAAAAADgPwAAAAAAAOA/AAAAAAAA4D8AAAAAAADgPwAAAAAAAOA/AAAAAAAA4D8CAAAAjAAAAAAAAAAAAAAARHLEDP///wgAAAAAAAAAAAAAAAAAAAAAAAAAAAAAAAAAAAAAZAAAAAEAAABAAAAAAAAAAAAAAAAAAAAAAAAAAAAAAAAAAAAAAAAAAAAAAAAAAAAAAAAAAAAAAAAAAAAAAAAAAAAAAAAAAAAAAAAAAAAAAAAAAAAAAAAAAAAAAAAAAAAAFAAAADwAAAAAAAAAAAAAAAAAAAkUAAAAAQAAABQAAAAUAAAAFAAAAAEAAAAAAAAAZAAAAGQAAAAAAAAAZAAAAGQAAAAVAAAAYAAAAAAAAAAAAAAADwAAACADAAAAAAAAAAAAAAEAAACgMgAAVgcAAKr4//8BAAAAf39/AAEAAABkAAAAAAAAABQAAABAHwAAAAAAACYAAAAAAAAAwOD//wAAAAAmAAAAZAAAABYAAABMAAAAAAAAAAAAAAAEAAAAAAAAAAEAAADn5uYKAAAAACgAAAAoAAAAZAAAAGQAAAAAAAAAzMzMAAAAAABQAAAAUAAAAGQAAABkAAAAAAAAABcAAAAUAAAAAAAAAAAAAAD/fwAA/38AAAAAAAAJAAAABAAAAACAAIAeAAAAaAAAAAAAAAAAAAAAAAAAAAAAAAAAAAAAECcAABAnAAAAAAAAAAAAAAAAAAAAAAAAAAAAAAAAAAAAAAAAAAAAABQAAAAAAAAAwMD/AAAAAABkAAAAMgAAAAAAAABkAAAAAAAAAH9/fwAKAAAAIgAAABgAAAAAAAAAAAAAAAAAAAAAAAAAAAAAAAAAAAAkAAAAJAAAAAAAAAAHAAAAAAAAAAAAAAAAAAAAAAAAAAAAAAAAAAAAf39/ACUAAABYAAAAAAAAAAAAAAAAAAAAAAAAAAAAAAAAAAAAAAAAAAAAAAAAAAAAAAAAAAAAAAA/AAAAAAAAAKCGAQAAAAAAAAAAAAAAAAAMAAAAAQAAAAAAAAAAAAAAAAAAAB8AAABUAAAAAAAABQAAAAEAAAAAAAAAAAAAAAAAAAAAAAAAAAAAAAAAAAAAAAAAAAAAAAJ/f38AAAAAA8zMzADAwP8Af39/AAAAAAAAAAAAAAAAAAAAAAAAAAAAIQAAABgAAAAUAAAA2BgAABonAAAoMgAAWSkAABAAAAAmAAAACAAAAAAAAAAAAAAAMAAAABQAAAAAAAAAAAD//wAAAQAAAP//AAABAA=="/>
+                <pr:smNativeData xmlns="smNativeData" xmlns:pr="smNativeData" xmlns:p15="http://schemas.microsoft.com/office/powerpoint/2012/main" xmlns:p14="http://schemas.microsoft.com/office/powerpoint/2010/main" xmlns:mc="http://schemas.openxmlformats.org/markup-compatibility/2006" val="SMDATA_16_xzE7ZxMAAAAlAAAAZAAAAA0AAAAAkAAAAEgAAACQAAAASAAAAAAAAAABAAAAAAAAAAEAAABQAAAAAAAAAAAA4D8AAAAAAADgPwAAAAAAAOA/AAAAAAAA4D8AAAAAAADgPwAAAAAAAOA/AAAAAAAA4D8AAAAAAADgPwAAAAAAAOA/AAAAAAAA4D8CAAAAjAAAAAAAAAAAAAAARHLEDP///wgAAAAAAAAAAAAAAAAAAAAAAAAAAAAAAAAAAAAAZAAAAAEAAABAAAAAAAAAAAAAAAAAAAAAAAAAAAAAAAAAAAAAAAAAAAAAAAAAAAAAAAAAAAAAAAAAAAAAAAAAAAAAAAAAAAAAAAAAAAAAAAAAAAAAAAAAAAAAAAAAAAAAFAAAADwAAAAAAAAAAAAAAAAAAAkUAAAAAQAAABQAAAAUAAAAFAAAAAEAAAAAAAAAZAAAAGQAAAAAAAAAZAAAAGQAAAAVAAAAYAAAAAAAAAAAAAAADwAAACADAAAAAAAAAAAAAAEAAACgMgAAVgcAAKr4//8BAAAAf39/AAEAAABkAAAAAAAAABQAAABAHwAAAAAAACYAAAAAAAAAwOD//wAAAAAmAAAAZAAAABYAAABMAAAAAAAAAAAAAAAEAAAAAAAAAAEAAADn5uYKAAAAACgAAAAoAAAAZAAAAGQAAAAAAAAAzMzMAAAAAABQAAAAUAAAAGQAAABkAAAAAAAAABcAAAAUAAAAAAAAAAAAAAD/fwAA/38AAAAAAAAJAAAABAAAAACAAIAeAAAAaAAAAAAAAAAAAAAAAAAAAAAAAAAAAAAAECcAABAnAAAAAAAAAAAAAAAAAAAAAAAAAAAAAAAAAAAAAAAAAAAAABQAAAAAAAAAwMD/AAAAAABkAAAAMgAAAAAAAABkAAAAAAAAAH9/fwAKAAAAIgAAABgAAAAAAAAAAAAAAAAAAAAAAAAAAAAAAAAAAAAkAAAAJAAAAAAAAAAHAAAAAAAAAAAAAAAAAAAAAAAAAAAAAAAAAAAAf39/ACUAAABYAAAAAAAAAAAAAAAAAAAAAAAAAAAAAAAAAAAAAAAAAAAAAAAAAAAAAAAAAAAAAAA/AAAAAAAAAKCGAQAAAAAAAAAAAAAAAAAMAAAAAQAAAAAAAAAAAAAAAAAAAB8AAABUAAAAAAAABQAAAAEAAAAAAAAAAAAAAAAAAAAAAAAAAAAAAAAAAAAAAAAAAAAAAAJ/f38AAAAAA8zMzADAwP8Af39/AAAAAAAAAAAAAAAAAAAAAAAAAAAAIQAAABgAAAAUAAAA2BgAABonAAAoMgAAWSkAABAAAAAmAAAACAAAAAAAAAAAAAAAMAAAABQAAAAAAAAAAAD//wAAAQAAAP//AAABAA=="/>
               </a:ext>
             </a:extLst>
           </p:cNvSpPr>
@@ -2004,7 +2004,7 @@
             <a:spLocks noGrp="1" noChangeArrowheads="1"/>
             <a:extLst>
               <a:ext uri="smNativeData">
-                <pr:smNativeData xmlns:mc="http://schemas.openxmlformats.org/markup-compatibility/2006" xmlns:p14="http://schemas.microsoft.com/office/powerpoint/2010/main" xmlns:p15="http://schemas.microsoft.com/office/powerpoint/2012/main" xmlns:pr="smNativeData" xmlns="smNativeData" val="SMDATA_16_xzE7ZxMAAAAlAAAAZAAAAA0AAAAAkAAAAEgAAACQAAAASAAAAAAAAAABAAAAAAAAAAEAAABQAAAAAAAAAAAA4D8AAAAAAADgPwAAAAAAAOA/AAAAAAAA4D8AAAAAAADgPwAAAAAAAOA/AAAAAAAA4D8AAAAAAADgPwAAAAAAAOA/AAAAAAAA4D8CAAAAjAAAAAAAAAAAAAAARHLEDP///wgAAAAAAAAAAAAAAAAAAAAAAAAAAAAAAAAAAAAAZAAAAAEAAABAAAAAAAAAAAAAAAAAAAAAAAAAAAAAAAAAAAAAAAAAAAAAAAAAAAAAAAAAAAAAAAAAAAAAAAAAAAAAAAAAAAAAAAAAAAAAAAAAAAAAAAAAAAAAAAAAAAAAFAAAADwAAAAAAAAAAAAAAAAAAAkUAAAAAQAAABQAAAAUAAAAFAAAAAEAAAAAAAAAZAAAAGQAAAAAAAAAZAAAAGQAAAAVAAAAYAAAAAAAAAAAAAAADwAAACADAAAAAAAAAAAAAAEAAACgMgAAVgcAAKr4//8BAAAAf39/AAEAAABkAAAAAAAAABQAAABAHwAAAAAAACYAAAAAAAAAwOD//wAAAAAmAAAAZAAAABYAAABMAAAAAAAAAAAAAAAEAAAAAAAAAAEAAADn5uYKAAAAACgAAAAoAAAAZAAAAGQAAAAAAAAAzMzMAAAAAABQAAAAUAAAAGQAAABkAAAAAAAAABcAAAAUAAAAAAAAAAAAAAD/fwAA/38AAAAAAAAJAAAABAAAAAAAAAAeAAAAaAAAAAAAAAAAAAAAAAAAAAAAAAAAAAAAECcAABAnAAAAAAAAAAAAAAAAAAAAAAAAAAAAAAAAAAAAAAAAAAAAABQAAAAAAAAAwMD/AAAAAABkAAAAMgAAAAAAAABkAAAAAAAAAH9/fwAKAAAAIgAAABgAAAAAAAAAAAAAAAAAAAAAAAAAAAAAAAAAAAAkAAAAJAAAAAAAAAAHAAAAAAAAAAAAAAAAAAAAAAAAAAAAAAAAAAAAf39/ACUAAABYAAAAAAAAAAAAAAAAAAAAAAAAAAAAAAAAAAAAAAAAAAAAAAAAAAAAAAAAAAAAAAA/AAAAAAAAAKCGAQAAAAAAAAAAAAAAAAAMAAAAAQAAAAAAAAAAAAAAAAAAAB8AAABUAAAAAAAABQAAAAEAAAAAAAAAAAAAAAAAAAAAAAAAAAAAAAAAAAAAAAAAAAAAAAJ/f38AAAAAA8zMzADAwP8Af39/AAAAAAAAAAAAAAAAAAAAAAAAAAAAIQAAABgAAAAUAAAA+DQAABonAADYRQAAWSkAABAAAAAmAAAACAAAAAAAAAAAAAAAMAAAABQAAAAAAAAAAAD//wAAAQAAAP//AAABAA=="/>
+                <pr:smNativeData xmlns="smNativeData" xmlns:pr="smNativeData" xmlns:p15="http://schemas.microsoft.com/office/powerpoint/2012/main" xmlns:p14="http://schemas.microsoft.com/office/powerpoint/2010/main" xmlns:mc="http://schemas.openxmlformats.org/markup-compatibility/2006" val="SMDATA_16_xzE7ZxMAAAAlAAAAZAAAAA0AAAAAkAAAAEgAAACQAAAASAAAAAAAAAABAAAAAAAAAAEAAABQAAAAAAAAAAAA4D8AAAAAAADgPwAAAAAAAOA/AAAAAAAA4D8AAAAAAADgPwAAAAAAAOA/AAAAAAAA4D8AAAAAAADgPwAAAAAAAOA/AAAAAAAA4D8CAAAAjAAAAAAAAAAAAAAARHLEDP///wgAAAAAAAAAAAAAAAAAAAAAAAAAAAAAAAAAAAAAZAAAAAEAAABAAAAAAAAAAAAAAAAAAAAAAAAAAAAAAAAAAAAAAAAAAAAAAAAAAAAAAAAAAAAAAAAAAAAAAAAAAAAAAAAAAAAAAAAAAAAAAAAAAAAAAAAAAAAAAAAAAAAAFAAAADwAAAAAAAAAAAAAAAAAAAkUAAAAAQAAABQAAAAUAAAAFAAAAAEAAAAAAAAAZAAAAGQAAAAAAAAAZAAAAGQAAAAVAAAAYAAAAAAAAAAAAAAADwAAACADAAAAAAAAAAAAAAEAAACgMgAAVgcAAKr4//8BAAAAf39/AAEAAABkAAAAAAAAABQAAABAHwAAAAAAACYAAAAAAAAAwOD//wAAAAAmAAAAZAAAABYAAABMAAAAAAAAAAAAAAAEAAAAAAAAAAEAAADn5uYKAAAAACgAAAAoAAAAZAAAAGQAAAAAAAAAzMzMAAAAAABQAAAAUAAAAGQAAABkAAAAAAAAABcAAAAUAAAAAAAAAAAAAAD/fwAA/38AAAAAAAAJAAAABAAAAAAAAAAeAAAAaAAAAAAAAAAAAAAAAAAAAAAAAAAAAAAAECcAABAnAAAAAAAAAAAAAAAAAAAAAAAAAAAAAAAAAAAAAAAAAAAAABQAAAAAAAAAwMD/AAAAAABkAAAAMgAAAAAAAABkAAAAAAAAAH9/fwAKAAAAIgAAABgAAAAAAAAAAAAAAAAAAAAAAAAAAAAAAAAAAAAkAAAAJAAAAAAAAAAHAAAAAAAAAAAAAAAAAAAAAAAAAAAAAAAAAAAAf39/ACUAAABYAAAAAAAAAAAAAAAAAAAAAAAAAAAAAAAAAAAAAAAAAAAAAAAAAAAAAAAAAAAAAAA/AAAAAAAAAKCGAQAAAAAAAAAAAAAAAAAMAAAAAQAAAAAAAAAAAAAAAAAAAB8AAABUAAAAAAAABQAAAAEAAAAAAAAAAAAAAAAAAAAAAAAAAAAAAAAAAAAAAAAAAAAAAAJ/f38AAAAAA8zMzADAwP8Af39/AAAAAAAAAAAAAAAAAAAAAAAAAAAAIQAAABgAAAAUAAAA+DQAABonAADYRQAAWSkAABAAAAAmAAAACAAAAAAAAAAAAAAAMAAAABQAAAAAAAAAAAD//wAAAQAAAP//AAABAA=="/>
               </a:ext>
             </a:extLst>
           </p:cNvSpPr>
@@ -2060,7 +2060,7 @@
             <a:spLocks noGrp="1" noChangeArrowheads="1"/>
             <a:extLst>
               <a:ext uri="smNativeData">
-                <pr:smNativeData xmlns:mc="http://schemas.openxmlformats.org/markup-compatibility/2006" xmlns:p14="http://schemas.microsoft.com/office/powerpoint/2010/main" xmlns:p15="http://schemas.microsoft.com/office/powerpoint/2012/main" xmlns:pr="smNativeData" xmlns="smNativeData" val="SMDATA_16_xzE7ZxMAAAAlAAAAZAAAAA0AAAAAkAAAAEgAAACQAAAASAAAAAAAAAABAAAAAAAAAAEAAABQAAAAAAAAAAAA4D8AAAAAAADgPwAAAAAAAOA/AAAAAAAA4D8AAAAAAADgPwAAAAAAAOA/AAAAAAAA4D8AAAAAAADgPwAAAAAAAOA/AAAAAAAA4D8CAAAAjAAAAAAAAAAAAAAARHLEDP///wgAAAAAAAAAAAAAAAAAAAAAAAAAAAAAAAAAAAAAZAAAAAEAAABAAAAAAAAAAAAAAAAAAAAAAAAAAAAAAAAAAAAAAAAAAAAAAAAAAAAAAAAAAAAAAAAAAAAAAAAAAAAAAAAAAAAAAAAAAAAAAAAAAAAAAAAAAAAAAAAAAAAAFAAAADwAAAAAAAAAAAAAAAAAAAkUAAAAAQAAABQAAAAUAAAAFAAAAAEAAAAAAAAAZAAAAGQAAAAAAAAAZAAAAGQAAAAVAAAAYAAAAAAAAAAAAAAADwAAACADAAAAAAAAAAAAAAEAAACgMgAAVgcAAKr4//8BAAAAf39/AAEAAABkAAAAAAAAABQAAABAHwAAAAAAACYAAAAAAAAAwOD//wAAAAAmAAAAZAAAABYAAABMAAAAAAAAAAAAAAAEAAAAAAAAAAEAAADn5uYKAAAAACgAAAAoAAAAZAAAAGQAAAAAAAAAzMzMAAAAAABQAAAAUAAAAGQAAABkAAAAAAAAABcAAAAUAAAAAAAAAAAAAAD/fwAA/38AAAAAAAAJAAAABAAAAAAAAAAeAAAAaAAAAAAAAAAAAAAAAAAAAAAAAAAAAAAAECcAABAnAAAAAAAAAAAAAAAAAAAAAAAAAAAAAAAAAAAAAAAAAAAAABQAAAAAAAAAwMD/AAAAAABkAAAAMgAAAAAAAABkAAAAAAAAAH9/fwAKAAAAIgAAABgAAAAAAAAAAAAAAAAAAAAAAAAAAAAAAAAAAAAkAAAAJAAAAAAAAAAHAAAAAAAAAAAAAAAAAAAAAAAAAAAAAAAAAAAAf39/ACUAAABYAAAAAAAAAAAAAAAAAAAAAAAAAAAAAAAAAAAAAAAAAAAAAAAAAAAAAAAAAAAAAAA/AAAAAAAAAKCGAQAAAAAAAAAAAAAAAAAMAAAAAQAAAAAAAAAAAAAAAAAAAB8AAABUAAAAAAAABQAAAAEAAAAAAAAAAAAAAAAAAAAAAAAAAAAAAAAAAAAAAAAAAAAAAAJ/f38AAAAAA8zMzADAwP8Af39/AAAAAAAAAAAAAAAAAAAAAAAAAAAAIQAAABgAAAAUAAAAKAUAAD8CAADYRQAAZwoAABAAAAAmAAAACAAAAAAAAAAAAAAAMAAAABQAAAAAAAAAAAD//wAAAQAAAP//AAABAA=="/>
+                <pr:smNativeData xmlns="smNativeData" xmlns:pr="smNativeData" xmlns:p15="http://schemas.microsoft.com/office/powerpoint/2012/main" xmlns:p14="http://schemas.microsoft.com/office/powerpoint/2010/main" xmlns:mc="http://schemas.openxmlformats.org/markup-compatibility/2006" val="SMDATA_16_xzE7ZxMAAAAlAAAAZAAAAA0AAAAAkAAAAEgAAACQAAAASAAAAAAAAAABAAAAAAAAAAEAAABQAAAAAAAAAAAA4D8AAAAAAADgPwAAAAAAAOA/AAAAAAAA4D8AAAAAAADgPwAAAAAAAOA/AAAAAAAA4D8AAAAAAADgPwAAAAAAAOA/AAAAAAAA4D8CAAAAjAAAAAAAAAAAAAAARHLEDP///wgAAAAAAAAAAAAAAAAAAAAAAAAAAAAAAAAAAAAAZAAAAAEAAABAAAAAAAAAAAAAAAAAAAAAAAAAAAAAAAAAAAAAAAAAAAAAAAAAAAAAAAAAAAAAAAAAAAAAAAAAAAAAAAAAAAAAAAAAAAAAAAAAAAAAAAAAAAAAAAAAAAAAFAAAADwAAAAAAAAAAAAAAAAAAAkUAAAAAQAAABQAAAAUAAAAFAAAAAEAAAAAAAAAZAAAAGQAAAAAAAAAZAAAAGQAAAAVAAAAYAAAAAAAAAAAAAAADwAAACADAAAAAAAAAAAAAAEAAACgMgAAVgcAAKr4//8BAAAAf39/AAEAAABkAAAAAAAAABQAAABAHwAAAAAAACYAAAAAAAAAwOD//wAAAAAmAAAAZAAAABYAAABMAAAAAAAAAAAAAAAEAAAAAAAAAAEAAADn5uYKAAAAACgAAAAoAAAAZAAAAGQAAAAAAAAAzMzMAAAAAABQAAAAUAAAAGQAAABkAAAAAAAAABcAAAAUAAAAAAAAAAAAAAD/fwAA/38AAAAAAAAJAAAABAAAAAAAAAAeAAAAaAAAAAAAAAAAAAAAAAAAAAAAAAAAAAAAECcAABAnAAAAAAAAAAAAAAAAAAAAAAAAAAAAAAAAAAAAAAAAAAAAABQAAAAAAAAAwMD/AAAAAABkAAAAMgAAAAAAAABkAAAAAAAAAH9/fwAKAAAAIgAAABgAAAAAAAAAAAAAAAAAAAAAAAAAAAAAAAAAAAAkAAAAJAAAAAAAAAAHAAAAAAAAAAAAAAAAAAAAAAAAAAAAAAAAAAAAf39/ACUAAABYAAAAAAAAAAAAAAAAAAAAAAAAAAAAAAAAAAAAAAAAAAAAAAAAAAAAAAAAAAAAAAA/AAAAAAAAAKCGAQAAAAAAAAAAAAAAAAAMAAAAAQAAAAAAAAAAAAAAAAAAAB8AAABUAAAAAAAABQAAAAEAAAAAAAAAAAAAAAAAAAAAAAAAAAAAAAAAAAAAAAAAAAAAAAJ/f38AAAAAA8zMzADAwP8Af39/AAAAAAAAAAAAAAAAAAAAAAAAAAAAIQAAABgAAAAUAAAAKAUAAD8CAADYRQAAZwoAABAAAAAmAAAACAAAAAAAAAAAAAAAMAAAABQAAAAAAAAAAAD//wAAAQAAAP//AAABAA=="/>
               </a:ext>
             </a:extLst>
           </p:cNvSpPr>
@@ -2089,7 +2089,7 @@
             <a:spLocks noGrp="1" noChangeArrowheads="1"/>
             <a:extLst>
               <a:ext uri="smNativeData">
-                <pr:smNativeData xmlns:mc="http://schemas.openxmlformats.org/markup-compatibility/2006" xmlns:p14="http://schemas.microsoft.com/office/powerpoint/2010/main" xmlns:p15="http://schemas.microsoft.com/office/powerpoint/2012/main" xmlns:pr="smNativeData" xmlns="smNativeData" val="SMDATA_16_xzE7ZxMAAAAlAAAAZAAAAA0AAAAAkAAAAEgAAACQAAAASAAAAAAAAAAAAAAAAAAAAAEAAABQAAAAAAAAAAAA4D8AAAAAAADgPwAAAAAAAOA/AAAAAAAA4D8AAAAAAADgPwAAAAAAAOA/AAAAAAAA4D8AAAAAAADgPwAAAAAAAOA/AAAAAAAA4D8CAAAAjAAAAAAAAAAAAAAARHLEDP///wgAAAAAAAAAAAAAAAAAAAAAAAAAAAAAAAAAAAAAZAAAAAEAAABAAAAAAAAAAAAAAAAAAAAAAAAAAAAAAAAAAAAAAAAAAAAAAAAAAAAAAAAAAAAAAAAAAAAAAAAAAAAAAAAAAAAAAAAAAAAAAAAAAAAAAAAAAAAAAAAAAAAAFAAAADwAAAAAAAAAAAAAAAAAAAkUAAAAAQAAABQAAAAUAAAAFAAAAAEAAAAAAAAAZAAAAGQAAAAAAAAAZAAAAGQAAAAVAAAAYAAAAAAAAAAAAAAADwAAACADAAAAAAAAAAAAAAEAAACgMgAAVgcAAKr4//8BAAAAf39/AAEAAABkAAAAAAAAABQAAABAHwAAAAAAACYAAAAAAAAAwOD//wAAAAAmAAAAZAAAABYAAABMAAAAAAAAAAAAAAAEAAAAAAAAAAEAAADn5uYKAAAAACgAAAAoAAAAZAAAAGQAAAAAAAAAzMzMAAAAAABQAAAAUAAAAGQAAABkAAAAAAAAABcAAAAUAAAAAAAAAAAAAAD/fwAA/38AAAAAAAAJAAAABAAAANBJKLceAAAAaAAAAAAAAAAAAAAAAAAAAAAAAAAAAAAAECcAABAnAAAAAAAAAAAAAAAAAAAAAAAAAAAAAAAAAAAAAAAAAAAAABQAAAAAAAAAwMD/AAAAAABkAAAAMgAAAAAAAABkAAAAAAAAAH9/fwAKAAAAIgAAABgAAAAAAAAAAAAAAAAAAAAAAAAAAAAAAAAAAAAkAAAAJAAAAAAAAAAHAAAAAAAAAAAAAAAAAAAAAAAAAAAAAAAAAAAAf39/ACUAAABYAAAAAAAAAAAAAAAAAAAAAAAAAAAAAAAAAAAAAAAAAAAAAAAAAAAAAAAAAAAAAAA/AAAAAAAAAKCGAQAAAAAAAAAAAAAAAAAMAAAAAQAAAAAAAAAAAAAAAAAAAB8AAABUAAAAAAAABQAAAAEAAAAAAAAAAAAAAAAAAAAAAAAAAAAAAAAAAAAAAAAAAAAAAAJ/f38AAAAAA8zMzADAwP8Af39/AAAAAAAAAAAAAAAAAAAAAAAAAAAAIQAAABgAAAAUAAAAKAUAADsLAADYRQAAACYAABAAAAAmAAAACAAAAAAAAAAAAAAAMAAAABQAAAAAAAAAAAD//wAAAQAAAP//AAABAA=="/>
+                <pr:smNativeData xmlns="smNativeData" xmlns:pr="smNativeData" xmlns:p15="http://schemas.microsoft.com/office/powerpoint/2012/main" xmlns:p14="http://schemas.microsoft.com/office/powerpoint/2010/main" xmlns:mc="http://schemas.openxmlformats.org/markup-compatibility/2006" val="SMDATA_16_xzE7ZxMAAAAlAAAAZAAAAA0AAAAAkAAAAEgAAACQAAAASAAAAAAAAAAAAAAAAAAAAAEAAABQAAAAAAAAAAAA4D8AAAAAAADgPwAAAAAAAOA/AAAAAAAA4D8AAAAAAADgPwAAAAAAAOA/AAAAAAAA4D8AAAAAAADgPwAAAAAAAOA/AAAAAAAA4D8CAAAAjAAAAAAAAAAAAAAARHLEDP///wgAAAAAAAAAAAAAAAAAAAAAAAAAAAAAAAAAAAAAZAAAAAEAAABAAAAAAAAAAAAAAAAAAAAAAAAAAAAAAAAAAAAAAAAAAAAAAAAAAAAAAAAAAAAAAAAAAAAAAAAAAAAAAAAAAAAAAAAAAAAAAAAAAAAAAAAAAAAAAAAAAAAAFAAAADwAAAAAAAAAAAAAAAAAAAkUAAAAAQAAABQAAAAUAAAAFAAAAAEAAAAAAAAAZAAAAGQAAAAAAAAAZAAAAGQAAAAVAAAAYAAAAAAAAAAAAAAADwAAACADAAAAAAAAAAAAAAEAAACgMgAAVgcAAKr4//8BAAAAf39/AAEAAABkAAAAAAAAABQAAABAHwAAAAAAACYAAAAAAAAAwOD//wAAAAAmAAAAZAAAABYAAABMAAAAAAAAAAAAAAAEAAAAAAAAAAEAAADn5uYKAAAAACgAAAAoAAAAZAAAAGQAAAAAAAAAzMzMAAAAAABQAAAAUAAAAGQAAABkAAAAAAAAABcAAAAUAAAAAAAAAAAAAAD/fwAA/38AAAAAAAAJAAAABAAAANBJKLceAAAAaAAAAAAAAAAAAAAAAAAAAAAAAAAAAAAAECcAABAnAAAAAAAAAAAAAAAAAAAAAAAAAAAAAAAAAAAAAAAAAAAAABQAAAAAAAAAwMD/AAAAAABkAAAAMgAAAAAAAABkAAAAAAAAAH9/fwAKAAAAIgAAABgAAAAAAAAAAAAAAAAAAAAAAAAAAAAAAAAAAAAkAAAAJAAAAAAAAAAHAAAAAAAAAAAAAAAAAAAAAAAAAAAAAAAAAAAAf39/ACUAAABYAAAAAAAAAAAAAAAAAAAAAAAAAAAAAAAAAAAAAAAAAAAAAAAAAAAAAAAAAAAAAAA/AAAAAAAAAKCGAQAAAAAAAAAAAAAAAAAMAAAAAQAAAAAAAAAAAAAAAAAAAB8AAABUAAAAAAAABQAAAAEAAAAAAAAAAAAAAAAAAAAAAAAAAAAAAAAAAAAAAAAAAAAAAAJ/f38AAAAAA8zMzADAwP8Af39/AAAAAAAAAAAAAAAAAAAAAAAAAAAAIQAAABgAAAAUAAAAKAUAADsLAADYRQAAACYAABAAAAAmAAAACAAAAAAAAAAAAAAAMAAAABQAAAAAAAAAAAD//wAAAQAAAP//AAABAA=="/>
               </a:ext>
             </a:extLst>
           </p:cNvSpPr>
@@ -2150,7 +2150,7 @@
             <a:spLocks noGrp="1" noChangeArrowheads="1"/>
             <a:extLst>
               <a:ext uri="smNativeData">
-                <pr:smNativeData xmlns:mc="http://schemas.openxmlformats.org/markup-compatibility/2006" xmlns:p14="http://schemas.microsoft.com/office/powerpoint/2010/main" xmlns:p15="http://schemas.microsoft.com/office/powerpoint/2012/main" xmlns:pr="smNativeData" xmlns="smNativeData" val="SMDATA_16_xzE7ZxMAAAAlAAAAZAAAAA0AAAAAkAAAAEgAAACQAAAASAAAAAAAAAABAAAAAAAAAAEAAABQAAAAAAAAAAAA4D8AAAAAAADgPwAAAAAAAOA/AAAAAAAA4D8AAAAAAADgPwAAAAAAAOA/AAAAAAAA4D8AAAAAAADgPwAAAAAAAOA/AAAAAAAA4D8CAAAAjAAAAAAAAAAAAAAARHLEDP///wgAAAAAAAAAAAAAAAAAAAAAAAAAAAAAAAAAAAAAZAAAAAEAAABAAAAAAAAAAAAAAAAAAAAAAAAAAAAAAAAAAAAAAAAAAAAAAAAAAAAAAAAAAAAAAAAAAAAAAAAAAAAAAAAAAAAAAAAAAAAAAAAAAAAAAAAAAAAAAAAAAAAAFAAAADwAAAAAAAAAAAAAAAAAAAkUAAAAAQAAABQAAAAUAAAAFAAAAAEAAAAAAAAAZAAAAGQAAAAAAAAAZAAAAGQAAAAVAAAAYAAAAAAAAAAAAAAADwAAACADAAAAAAAAAAAAAAEAAACgMgAAVgcAAKr4//8BAAAAf39/AAEAAABkAAAAAAAAABQAAABAHwAAAAAAACYAAAAAAAAAwOD//wAAAAAmAAAAZAAAABYAAABMAAAAAAAAAAAAAAAEAAAAAAAAAAEAAADn5uYKAAAAACgAAAAoAAAAZAAAAGQAAAAAAAAAzMzMAAAAAABQAAAAUAAAAGQAAABkAAAAAAAAABcAAAAUAAAAAAAAAAAAAAD/fwAA/38AAAAAAAAJAAAABAAAAAAAAAAeAAAAaAAAAAAAAAAAAAAAAAAAAAAAAAAAAAAAECcAABAnAAAAAAAAAAAAAAAAAAAAAAAAAAAAAAAAAAAAAAAAAAAAABQAAAAAAAAAwMD/AAAAAABkAAAAMgAAAAAAAABkAAAAAAAAAH9/fwAKAAAAIgAAABgAAAAAAAAAAAAAAAAAAAAAAAAAAAAAAAAAAAAkAAAAJAAAAAAAAAAHAAAAAAAAAAAAAAAAAAAAAAAAAAAAAAAAAAAAf39/ACUAAABYAAAAAAAAAAAAAAAAAAAAAAAAAAAAAAAAAAAAAAAAAAAAAAAAAAAAAAAAAAAAAAA/AAAAAAAAAKCGAQAAAAAAAAAAAAAAAAAMAAAAAQAAAAAAAAAAAAAAAAAAAB8AAABUAAAAAAAABQAAAAEAAAAAAAAAAAAAAAAAAAAAAAAAAAAAAAAAAAAAAAAAAAAAAAJ/f38AAAAAA8zMzADAwP8Af39/AAAAAAAAAAAAAAAAAAAAAAAAAAAAIQAAABgAAAAUAAAAKAUAABonAAAIFgAAWSkAABAAAAAmAAAACAAAAAAAAAAAAAAAMAAAABQAAAAAAAAAAAD//wAAAQAAAP//AAABAA=="/>
+                <pr:smNativeData xmlns="smNativeData" xmlns:pr="smNativeData" xmlns:p15="http://schemas.microsoft.com/office/powerpoint/2012/main" xmlns:p14="http://schemas.microsoft.com/office/powerpoint/2010/main" xmlns:mc="http://schemas.openxmlformats.org/markup-compatibility/2006" val="SMDATA_16_xzE7ZxMAAAAlAAAAZAAAAA0AAAAAkAAAAEgAAACQAAAASAAAAAAAAAABAAAAAAAAAAEAAABQAAAAAAAAAAAA4D8AAAAAAADgPwAAAAAAAOA/AAAAAAAA4D8AAAAAAADgPwAAAAAAAOA/AAAAAAAA4D8AAAAAAADgPwAAAAAAAOA/AAAAAAAA4D8CAAAAjAAAAAAAAAAAAAAARHLEDP///wgAAAAAAAAAAAAAAAAAAAAAAAAAAAAAAAAAAAAAZAAAAAEAAABAAAAAAAAAAAAAAAAAAAAAAAAAAAAAAAAAAAAAAAAAAAAAAAAAAAAAAAAAAAAAAAAAAAAAAAAAAAAAAAAAAAAAAAAAAAAAAAAAAAAAAAAAAAAAAAAAAAAAFAAAADwAAAAAAAAAAAAAAAAAAAkUAAAAAQAAABQAAAAUAAAAFAAAAAEAAAAAAAAAZAAAAGQAAAAAAAAAZAAAAGQAAAAVAAAAYAAAAAAAAAAAAAAADwAAACADAAAAAAAAAAAAAAEAAACgMgAAVgcAAKr4//8BAAAAf39/AAEAAABkAAAAAAAAABQAAABAHwAAAAAAACYAAAAAAAAAwOD//wAAAAAmAAAAZAAAABYAAABMAAAAAAAAAAAAAAAEAAAAAAAAAAEAAADn5uYKAAAAACgAAAAoAAAAZAAAAGQAAAAAAAAAzMzMAAAAAABQAAAAUAAAAGQAAABkAAAAAAAAABcAAAAUAAAAAAAAAAAAAAD/fwAA/38AAAAAAAAJAAAABAAAAAAAAAAeAAAAaAAAAAAAAAAAAAAAAAAAAAAAAAAAAAAAECcAABAnAAAAAAAAAAAAAAAAAAAAAAAAAAAAAAAAAAAAAAAAAAAAABQAAAAAAAAAwMD/AAAAAABkAAAAMgAAAAAAAABkAAAAAAAAAH9/fwAKAAAAIgAAABgAAAAAAAAAAAAAAAAAAAAAAAAAAAAAAAAAAAAkAAAAJAAAAAAAAAAHAAAAAAAAAAAAAAAAAAAAAAAAAAAAAAAAAAAAf39/ACUAAABYAAAAAAAAAAAAAAAAAAAAAAAAAAAAAAAAAAAAAAAAAAAAAAAAAAAAAAAAAAAAAAA/AAAAAAAAAKCGAQAAAAAAAAAAAAAAAAAMAAAAAQAAAAAAAAAAAAAAAAAAAB8AAABUAAAAAAAABQAAAAEAAAAAAAAAAAAAAAAAAAAAAAAAAAAAAAAAAAAAAAAAAAAAAAJ/f38AAAAAA8zMzADAwP8Af39/AAAAAAAAAAAAAAAAAAAAAAAAAAAAIQAAABgAAAAUAAAAKAUAABonAAAIFgAAWSkAABAAAAAmAAAACAAAAAAAAAAAAAAAMAAAABQAAAAAAAAAAAD//wAAAQAAAP//AAABAA=="/>
               </a:ext>
             </a:extLst>
           </p:cNvSpPr>
@@ -2180,7 +2180,7 @@
             <a:spLocks noGrp="1" noChangeArrowheads="1"/>
             <a:extLst>
               <a:ext uri="smNativeData">
-                <pr:smNativeData xmlns:mc="http://schemas.openxmlformats.org/markup-compatibility/2006" xmlns:p14="http://schemas.microsoft.com/office/powerpoint/2010/main" xmlns:p15="http://schemas.microsoft.com/office/powerpoint/2012/main" xmlns:pr="smNativeData" xmlns="smNativeData" val="SMDATA_16_xzE7ZxMAAAAlAAAAZAAAAA0AAAAAkAAAAEgAAACQAAAASAAAAAAAAAABAAAAAAAAAAEAAABQAAAAAAAAAAAA4D8AAAAAAADgPwAAAAAAAOA/AAAAAAAA4D8AAAAAAADgPwAAAAAAAOA/AAAAAAAA4D8AAAAAAADgPwAAAAAAAOA/AAAAAAAA4D8CAAAAjAAAAAAAAAAAAAAARHLEDP///wgAAAAAAAAAAAAAAAAAAAAAAAAAAAAAAAAAAAAAZAAAAAEAAABAAAAAAAAAAAAAAAAAAAAAAAAAAAAAAAAAAAAAAAAAAAAAAAAAAAAAAAAAAAAAAAAAAAAAAAAAAAAAAAAAAAAAAAAAAAAAAAAAAAAAAAAAAAAAAAAAAAAAFAAAADwAAAAAAAAAAAAAAAAAAAkUAAAAAQAAABQAAAAUAAAAFAAAAAEAAAAAAAAAZAAAAGQAAAAAAAAAZAAAAGQAAAAVAAAAYAAAAAAAAAAAAAAADwAAACADAAAAAAAAAAAAAAEAAACgMgAAVgcAAKr4//8BAAAAf39/AAEAAABkAAAAAAAAABQAAABAHwAAAAAAACYAAAAAAAAAwOD//wAAAAAmAAAAZAAAABYAAABMAAAAAAAAAAAAAAAEAAAAAAAAAAEAAADn5uYKAAAAACgAAAAoAAAAZAAAAGQAAAAAAAAAzMzMAAAAAABQAAAAUAAAAGQAAABkAAAAAAAAABcAAAAUAAAAAAAAAAAAAAD/fwAA/38AAAAAAAAJAAAABAAAAGwAZQAeAAAAaAAAAAAAAAAAAAAAAAAAAAAAAAAAAAAAECcAABAnAAAAAAAAAAAAAAAAAAAAAAAAAAAAAAAAAAAAAAAAAAAAABQAAAAAAAAAwMD/AAAAAABkAAAAMgAAAAAAAABkAAAAAAAAAH9/fwAKAAAAIgAAABgAAAAAAAAAAAAAAAAAAAAAAAAAAAAAAAAAAAAkAAAAJAAAAAAAAAAHAAAAAAAAAAAAAAAAAAAAAAAAAAAAAAAAAAAAf39/ACUAAABYAAAAAAAAAAAAAAAAAAAAAAAAAAAAAAAAAAAAAAAAAAAAAAAAAAAAAAAAAAAAAAA/AAAAAAAAAKCGAQAAAAAAAAAAAAAAAAAMAAAAAQAAAAAAAAAAAAAAAAAAAB8AAABUAAAAAAAABQAAAAEAAAAAAAAAAAAAAAAAAAAAAAAAAAAAAAAAAAAAAAAAAAAAAAJ/f38AAAAAA8zMzADAwP8Af39/AAAAAAAAAAAAAAAAAAAAAAAAAAAAIQAAABgAAAAUAAAA2BgAABonAAAoMgAAWSkAABAAAAAmAAAACAAAAAAAAAAAAAAAMAAAABQAAAAAAAAAAAD//wAAAQAAAP//AAABAA=="/>
+                <pr:smNativeData xmlns="smNativeData" xmlns:pr="smNativeData" xmlns:p15="http://schemas.microsoft.com/office/powerpoint/2012/main" xmlns:p14="http://schemas.microsoft.com/office/powerpoint/2010/main" xmlns:mc="http://schemas.openxmlformats.org/markup-compatibility/2006" val="SMDATA_16_xzE7ZxMAAAAlAAAAZAAAAA0AAAAAkAAAAEgAAACQAAAASAAAAAAAAAABAAAAAAAAAAEAAABQAAAAAAAAAAAA4D8AAAAAAADgPwAAAAAAAOA/AAAAAAAA4D8AAAAAAADgPwAAAAAAAOA/AAAAAAAA4D8AAAAAAADgPwAAAAAAAOA/AAAAAAAA4D8CAAAAjAAAAAAAAAAAAAAARHLEDP///wgAAAAAAAAAAAAAAAAAAAAAAAAAAAAAAAAAAAAAZAAAAAEAAABAAAAAAAAAAAAAAAAAAAAAAAAAAAAAAAAAAAAAAAAAAAAAAAAAAAAAAAAAAAAAAAAAAAAAAAAAAAAAAAAAAAAAAAAAAAAAAAAAAAAAAAAAAAAAAAAAAAAAFAAAADwAAAAAAAAAAAAAAAAAAAkUAAAAAQAAABQAAAAUAAAAFAAAAAEAAAAAAAAAZAAAAGQAAAAAAAAAZAAAAGQAAAAVAAAAYAAAAAAAAAAAAAAADwAAACADAAAAAAAAAAAAAAEAAACgMgAAVgcAAKr4//8BAAAAf39/AAEAAABkAAAAAAAAABQAAABAHwAAAAAAACYAAAAAAAAAwOD//wAAAAAmAAAAZAAAABYAAABMAAAAAAAAAAAAAAAEAAAAAAAAAAEAAADn5uYKAAAAACgAAAAoAAAAZAAAAGQAAAAAAAAAzMzMAAAAAABQAAAAUAAAAGQAAABkAAAAAAAAABcAAAAUAAAAAAAAAAAAAAD/fwAA/38AAAAAAAAJAAAABAAAAGwAZQAeAAAAaAAAAAAAAAAAAAAAAAAAAAAAAAAAAAAAECcAABAnAAAAAAAAAAAAAAAAAAAAAAAAAAAAAAAAAAAAAAAAAAAAABQAAAAAAAAAwMD/AAAAAABkAAAAMgAAAAAAAABkAAAAAAAAAH9/fwAKAAAAIgAAABgAAAAAAAAAAAAAAAAAAAAAAAAAAAAAAAAAAAAkAAAAJAAAAAAAAAAHAAAAAAAAAAAAAAAAAAAAAAAAAAAAAAAAAAAAf39/ACUAAABYAAAAAAAAAAAAAAAAAAAAAAAAAAAAAAAAAAAAAAAAAAAAAAAAAAAAAAAAAAAAAAA/AAAAAAAAAKCGAQAAAAAAAAAAAAAAAAAMAAAAAQAAAAAAAAAAAAAAAAAAAB8AAABUAAAAAAAABQAAAAEAAAAAAAAAAAAAAAAAAAAAAAAAAAAAAAAAAAAAAAAAAAAAAAJ/f38AAAAAA8zMzADAwP8Af39/AAAAAAAAAAAAAAAAAAAAAAAAAAAAIQAAABgAAAAUAAAA2BgAABonAAAoMgAAWSkAABAAAAAmAAAACAAAAAAAAAAAAAAAMAAAABQAAAAAAAAAAAD//wAAAQAAAP//AAABAA=="/>
               </a:ext>
             </a:extLst>
           </p:cNvSpPr>
@@ -2207,7 +2207,7 @@
             <a:spLocks noGrp="1" noChangeArrowheads="1"/>
             <a:extLst>
               <a:ext uri="smNativeData">
-                <pr:smNativeData xmlns:mc="http://schemas.openxmlformats.org/markup-compatibility/2006" xmlns:p14="http://schemas.microsoft.com/office/powerpoint/2010/main" xmlns:p15="http://schemas.microsoft.com/office/powerpoint/2012/main" xmlns:pr="smNativeData" xmlns="smNativeData" val="SMDATA_16_xzE7ZxMAAAAlAAAAZAAAAA0AAAAAkAAAAEgAAACQAAAASAAAAAAAAAABAAAAAAAAAAEAAABQAAAAAAAAAAAA4D8AAAAAAADgPwAAAAAAAOA/AAAAAAAA4D8AAAAAAADgPwAAAAAAAOA/AAAAAAAA4D8AAAAAAADgPwAAAAAAAOA/AAAAAAAA4D8CAAAAjAAAAAAAAAAAAAAARHLEDP///wgAAAAAAAAAAAAAAAAAAAAAAAAAAAAAAAAAAAAAZAAAAAEAAABAAAAAAAAAAAAAAAAAAAAAAAAAAAAAAAAAAAAAAAAAAAAAAAAAAAAAAAAAAAAAAAAAAAAAAAAAAAAAAAAAAAAAAAAAAAAAAAAAAAAAAAAAAAAAAAAAAAAAFAAAADwAAAAAAAAAAAAAAAAAAAkUAAAAAQAAABQAAAAUAAAAFAAAAAEAAAAAAAAAZAAAAGQAAAAAAAAAZAAAAGQAAAAVAAAAYAAAAAAAAAAAAAAADwAAACADAAAAAAAAAAAAAAEAAACgMgAAVgcAAKr4//8BAAAAf39/AAEAAABkAAAAAAAAABQAAABAHwAAAAAAACYAAAAAAAAAwOD//wAAAAAmAAAAZAAAABYAAABMAAAAAAAAAAAAAAAEAAAAAAAAAAEAAADn5uYKAAAAACgAAAAoAAAAZAAAAGQAAAAAAAAAzMzMAAAAAABQAAAAUAAAAGQAAABkAAAAAAAAABcAAAAUAAAAAAAAAAAAAAD/fwAA/38AAAAAAAAJAAAABAAAAAAAAAAeAAAAaAAAAAAAAAAAAAAAAAAAAAAAAAAAAAAAECcAABAnAAAAAAAAAAAAAAAAAAAAAAAAAAAAAAAAAAAAAAAAAAAAABQAAAAAAAAAwMD/AAAAAABkAAAAMgAAAAAAAABkAAAAAAAAAH9/fwAKAAAAIgAAABgAAAAAAAAAAAAAAAAAAAAAAAAAAAAAAAAAAAAkAAAAJAAAAAAAAAAHAAAAAAAAAAAAAAAAAAAAAAAAAAAAAAAAAAAAf39/ACUAAABYAAAAAAAAAAAAAAAAAAAAAAAAAAAAAAAAAAAAAAAAAAAAAAAAAAAAAAAAAAAAAAA/AAAAAAAAAKCGAQAAAAAAAAAAAAAAAAAMAAAAAQAAAAAAAAAAAAAAAAAAAB8AAABUAAAAAAAABQAAAAEAAAAAAAAAAAAAAAAAAAAAAAAAAAAAAAAAAAAAAAAAAAAAAAJ/f38AAAAAA8zMzADAwP8Af39/AAAAAAAAAAAAAAAAAAAAAAAAAAAAIQAAABgAAAAUAAAA+DQAABonAADYRQAAWSkAABAAAAAmAAAACAAAAAAAAAAAAAAAMAAAABQAAAAAAAAAAAD//wAAAQAAAP//AAABAA=="/>
+                <pr:smNativeData xmlns="smNativeData" xmlns:pr="smNativeData" xmlns:p15="http://schemas.microsoft.com/office/powerpoint/2012/main" xmlns:p14="http://schemas.microsoft.com/office/powerpoint/2010/main" xmlns:mc="http://schemas.openxmlformats.org/markup-compatibility/2006" val="SMDATA_16_xzE7ZxMAAAAlAAAAZAAAAA0AAAAAkAAAAEgAAACQAAAASAAAAAAAAAABAAAAAAAAAAEAAABQAAAAAAAAAAAA4D8AAAAAAADgPwAAAAAAAOA/AAAAAAAA4D8AAAAAAADgPwAAAAAAAOA/AAAAAAAA4D8AAAAAAADgPwAAAAAAAOA/AAAAAAAA4D8CAAAAjAAAAAAAAAAAAAAARHLEDP///wgAAAAAAAAAAAAAAAAAAAAAAAAAAAAAAAAAAAAAZAAAAAEAAABAAAAAAAAAAAAAAAAAAAAAAAAAAAAAAAAAAAAAAAAAAAAAAAAAAAAAAAAAAAAAAAAAAAAAAAAAAAAAAAAAAAAAAAAAAAAAAAAAAAAAAAAAAAAAAAAAAAAAFAAAADwAAAAAAAAAAAAAAAAAAAkUAAAAAQAAABQAAAAUAAAAFAAAAAEAAAAAAAAAZAAAAGQAAAAAAAAAZAAAAGQAAAAVAAAAYAAAAAAAAAAAAAAADwAAACADAAAAAAAAAAAAAAEAAACgMgAAVgcAAKr4//8BAAAAf39/AAEAAABkAAAAAAAAABQAAABAHwAAAAAAACYAAAAAAAAAwOD//wAAAAAmAAAAZAAAABYAAABMAAAAAAAAAAAAAAAEAAAAAAAAAAEAAADn5uYKAAAAACgAAAAoAAAAZAAAAGQAAAAAAAAAzMzMAAAAAABQAAAAUAAAAGQAAABkAAAAAAAAABcAAAAUAAAAAAAAAAAAAAD/fwAA/38AAAAAAAAJAAAABAAAAAAAAAAeAAAAaAAAAAAAAAAAAAAAAAAAAAAAAAAAAAAAECcAABAnAAAAAAAAAAAAAAAAAAAAAAAAAAAAAAAAAAAAAAAAAAAAABQAAAAAAAAAwMD/AAAAAABkAAAAMgAAAAAAAABkAAAAAAAAAH9/fwAKAAAAIgAAABgAAAAAAAAAAAAAAAAAAAAAAAAAAAAAAAAAAAAkAAAAJAAAAAAAAAAHAAAAAAAAAAAAAAAAAAAAAAAAAAAAAAAAAAAAf39/ACUAAABYAAAAAAAAAAAAAAAAAAAAAAAAAAAAAAAAAAAAAAAAAAAAAAAAAAAAAAAAAAAAAAA/AAAAAAAAAKCGAQAAAAAAAAAAAAAAAAAMAAAAAQAAAAAAAAAAAAAAAAAAAB8AAABUAAAAAAAABQAAAAEAAAAAAAAAAAAAAAAAAAAAAAAAAAAAAAAAAAAAAAAAAAAAAAJ/f38AAAAAA8zMzADAwP8Af39/AAAAAAAAAAAAAAAAAAAAAAAAAAAAIQAAABgAAAAUAAAA+DQAABonAADYRQAAWSkAABAAAAAmAAAACAAAAAAAAAAAAAAAMAAAABQAAAAAAAAAAAD//wAAAQAAAP//AAABAA=="/>
               </a:ext>
             </a:extLst>
           </p:cNvSpPr>
@@ -2263,7 +2263,7 @@
             <a:spLocks noGrp="1" noChangeArrowheads="1"/>
             <a:extLst>
               <a:ext uri="smNativeData">
-                <pr:smNativeData xmlns:mc="http://schemas.openxmlformats.org/markup-compatibility/2006" xmlns:p14="http://schemas.microsoft.com/office/powerpoint/2010/main" xmlns:p15="http://schemas.microsoft.com/office/powerpoint/2012/main" xmlns:pr="smNativeData" xmlns="smNativeData" val="SMDATA_16_xzE7ZxMAAAAlAAAAZAAAAA0AAAAAkAAAAEgAAACQAAAASAAAAAAAAAACAAAAAAAAAAEAAABQAAAAAAAAAAAA4D8AAAAAAADgPwAAAAAAAOA/AAAAAAAA4D8AAAAAAADgPwAAAAAAAOA/AAAAAAAA4D8AAAAAAADgPwAAAAAAAOA/AAAAAAAA4D8CAAAAjAAAAAAAAAAAAAAARHLEDP///wgAAAAAAAAAAAAAAAAAAAAAAAAAAAAAAAAAAAAAZAAAAAEAAABAAAAAAAAAAAAAAAAAAAAAAAAAAAAAAAAAAAAAAAAAAAAAAAAAAAAAAAAAAAAAAAAAAAAAAAAAAAAAAAAAAAAAAAAAAAAAAAAAAAAAAAAAAAAAAAAAAAAAFAAAADwAAAAAAAAAAAAAAAAAAAkUAAAAAQAAABQAAAAUAAAAFAAAAAEAAAAAAAAAZAAAAGQAAAAAAAAAZAAAAGQAAAAVAAAAYAAAAAAAAAAAAAAADwAAACADAAAAAAAAAAAAAAEAAACgMgAAVgcAAKr4//8BAAAAf39/AAEAAABkAAAAAAAAABQAAABAHwAAAAAAACYAAAAAAAAAwOD//wAAAAAmAAAAZAAAABYAAABMAAAAAAAAAAAAAAAEAAAAAAAAAAEAAADn5uYKAAAAACgAAAAoAAAAZAAAAGQAAAAAAAAAzMzMAAAAAABQAAAAUAAAAGQAAABkAAAAAAAAABcAAAAUAAAAAAAAAAAAAAD/fwAA/38AAAAAAAAJAAAABAAAAAAAAAAeAAAAaAAAAAAAAAAAAAAAAAAAAAAAAAAAAAAAECcAABAnAAAAAAAAAAAAAAAAAAAAAAAAAAAAAAAAAAAAAAAAAAAAABQAAAAAAAAAwMD/AAAAAABkAAAAMgAAAAAAAABkAAAAAAAAAH9/fwAKAAAAIgAAABgAAAAAAAAAAAAAAAAAAAAAAAAAAAAAAAAAAAAkAAAAJAAAAAAAAAAHAAAAAAAAAAAAAAAAAAAAAAAAAAAAAAAAAAAAf39/ACUAAABYAAAAAAAAAAAAAAAAAAAAAAAAAAAAAAAAAAAAAAAAAAAAAAAAAAAAAAAAAAAAAAA/AAAAAAAAAKCGAQAAAAAAAAAAAAAAAAAMAAAAAQAAAAAAAAAAAAAAAAAAAB8AAABUAAAAAAAABQAAAAEAAAAAAAAAAAAAAAAAAAAAAAAAAAAAAAAAAAAAAAAAAAAAAAJ/f38AAAAAA8zMzADAwP8Af39/AAAAAAAAAAAAAAAAAAAAAAAAAAAAIQAAABgAAAAUAAAAHgUAAIUKAADORQAAERwAABAAAAAmAAAACAAAAIGAAAAAAAAAMAAAABQAAAAAAAAAAAD//wAAAQAAAP//AAABAA=="/>
+                <pr:smNativeData xmlns="smNativeData" xmlns:pr="smNativeData" xmlns:p15="http://schemas.microsoft.com/office/powerpoint/2012/main" xmlns:p14="http://schemas.microsoft.com/office/powerpoint/2010/main" xmlns:mc="http://schemas.openxmlformats.org/markup-compatibility/2006" val="SMDATA_16_xzE7ZxMAAAAlAAAAZAAAAA0AAAAAkAAAAEgAAACQAAAASAAAAAAAAAACAAAAAAAAAAEAAABQAAAAAAAAAAAA4D8AAAAAAADgPwAAAAAAAOA/AAAAAAAA4D8AAAAAAADgPwAAAAAAAOA/AAAAAAAA4D8AAAAAAADgPwAAAAAAAOA/AAAAAAAA4D8CAAAAjAAAAAAAAAAAAAAARHLEDP///wgAAAAAAAAAAAAAAAAAAAAAAAAAAAAAAAAAAAAAZAAAAAEAAABAAAAAAAAAAAAAAAAAAAAAAAAAAAAAAAAAAAAAAAAAAAAAAAAAAAAAAAAAAAAAAAAAAAAAAAAAAAAAAAAAAAAAAAAAAAAAAAAAAAAAAAAAAAAAAAAAAAAAFAAAADwAAAAAAAAAAAAAAAAAAAkUAAAAAQAAABQAAAAUAAAAFAAAAAEAAAAAAAAAZAAAAGQAAAAAAAAAZAAAAGQAAAAVAAAAYAAAAAAAAAAAAAAADwAAACADAAAAAAAAAAAAAAEAAACgMgAAVgcAAKr4//8BAAAAf39/AAEAAABkAAAAAAAAABQAAABAHwAAAAAAACYAAAAAAAAAwOD//wAAAAAmAAAAZAAAABYAAABMAAAAAAAAAAAAAAAEAAAAAAAAAAEAAADn5uYKAAAAACgAAAAoAAAAZAAAAGQAAAAAAAAAzMzMAAAAAABQAAAAUAAAAGQAAABkAAAAAAAAABcAAAAUAAAAAAAAAAAAAAD/fwAA/38AAAAAAAAJAAAABAAAAAAAAAAeAAAAaAAAAAAAAAAAAAAAAAAAAAAAAAAAAAAAECcAABAnAAAAAAAAAAAAAAAAAAAAAAAAAAAAAAAAAAAAAAAAAAAAABQAAAAAAAAAwMD/AAAAAABkAAAAMgAAAAAAAABkAAAAAAAAAH9/fwAKAAAAIgAAABgAAAAAAAAAAAAAAAAAAAAAAAAAAAAAAAAAAAAkAAAAJAAAAAAAAAAHAAAAAAAAAAAAAAAAAAAAAAAAAAAAAAAAAAAAf39/ACUAAABYAAAAAAAAAAAAAAAAAAAAAAAAAAAAAAAAAAAAAAAAAAAAAAAAAAAAAAAAAAAAAAA/AAAAAAAAAKCGAQAAAAAAAAAAAAAAAAAMAAAAAQAAAAAAAAAAAAAAAAAAAB8AAABUAAAAAAAABQAAAAEAAAAAAAAAAAAAAAAAAAAAAAAAAAAAAAAAAAAAAAAAAAAAAAJ/f38AAAAAA8zMzADAwP8Af39/AAAAAAAAAAAAAAAAAAAAAAAAAAAAIQAAABgAAAAUAAAAHgUAAIUKAADORQAAERwAABAAAAAmAAAACAAAAIGAAAAAAAAAMAAAABQAAAAAAAAAAAD//wAAAQAAAP//AAABAA=="/>
               </a:ext>
             </a:extLst>
           </p:cNvSpPr>
@@ -2329,7 +2329,7 @@
             <a:spLocks noGrp="1" noChangeArrowheads="1"/>
             <a:extLst>
               <a:ext uri="smNativeData">
-                <pr:smNativeData xmlns:mc="http://schemas.openxmlformats.org/markup-compatibility/2006" xmlns:p14="http://schemas.microsoft.com/office/powerpoint/2010/main" xmlns:p15="http://schemas.microsoft.com/office/powerpoint/2012/main" xmlns:pr="smNativeData" xmlns="smNativeData" val="SMDATA_16_xzE7ZxMAAAAlAAAAZAAAAA0AAAAAkAAAAEgAAACQAAAASAAAAAAAAAAAAAAAAAAAAAEAAABQAAAAAAAAAAAA4D8AAAAAAADgPwAAAAAAAOA/AAAAAAAA4D8AAAAAAADgPwAAAAAAAOA/AAAAAAAA4D8AAAAAAADgPwAAAAAAAOA/AAAAAAAA4D8CAAAAjAAAAAAAAAAAAAAARHLEDP///wgAAAAAAAAAAAAAAAAAAAAAAAAAAAAAAAAAAAAAZAAAAAEAAABAAAAAAAAAAAAAAAAAAAAAAAAAAAAAAAAAAAAAAAAAAAAAAAAAAAAAAAAAAAAAAAAAAAAAAAAAAAAAAAAAAAAAAAAAAAAAAAAAAAAAAAAAAAAAAAAAAAAAFAAAADwAAAAAAAAAAAAAAAAAAAkUAAAAAQAAABQAAAAUAAAAFAAAAAEAAAAAAAAAZAAAAGQAAAAAAAAAZAAAAGQAAAAVAAAAYAAAAAAAAAAAAAAADwAAACADAAAAAAAAAAAAAAEAAACgMgAAVgcAAKr4//8BAAAAf39/AAEAAABkAAAAAAAAABQAAABAHwAAAAAAACYAAAAAAAAAwOD//wAAAAAmAAAAZAAAABYAAABMAAAAAAAAAAAAAAAEAAAAAAAAAAEAAADn5uYKAAAAACgAAAAoAAAAZAAAAGQAAAAAAAAAzMzMAAAAAABQAAAAUAAAAGQAAABkAAAAAAAAABcAAAAUAAAAAAAAAAAAAAD/fwAA/38AAAAAAAAJAAAABAAAAAAAAAAeAAAAaAAAAAAAAAAAAAAAAAAAAAAAAAAAAAAAECcAABAnAAAAAAAAAAAAAAAAAAAAAAAAAAAAAAAAAAAAAAAAAAAAABQAAAAAAAAAwMD/AAAAAABkAAAAMgAAAAAAAABkAAAAAAAAAH9/fwAKAAAAIgAAABgAAAAAAAAAAAAAAAAAAAAAAAAAAAAAAAAAAAAkAAAAJAAAAAAAAAAHAAAAAAAAAAAAAAAAAAAAAAAAAAAAAAAAAAAAf39/ACUAAABYAAAAAAAAAAAAAAAAAAAAAAAAAAAAAAAAAAAAAAAAAAAAAAAAAAAAAAAAAAAAAAA/AAAAAAAAAKCGAQAAAAAAAAAAAAAAAAAMAAAAAQAAAAAAAAAAAAAAAAAAAB8AAABUAAAAAAAABQAAAAEAAAAAAAAAAAAAAAAAAAAAAAAAAAAAAAAAAAAAAAAAAAAAAAJ/f38AAAAAA8zMzADAwP8Af39/AAAAAAAAAAAAAAAAAAAAAAAAAAAAIQAAABgAAAAUAAAAHgUAADwcAADORQAAdiUAABAAAAAmAAAACAAAAAGAAAAAAAAAMAAAABQAAAAAAAAAAAD//wAAAQAAAP//AAABAA=="/>
+                <pr:smNativeData xmlns="smNativeData" xmlns:pr="smNativeData" xmlns:p15="http://schemas.microsoft.com/office/powerpoint/2012/main" xmlns:p14="http://schemas.microsoft.com/office/powerpoint/2010/main" xmlns:mc="http://schemas.openxmlformats.org/markup-compatibility/2006" val="SMDATA_16_xzE7ZxMAAAAlAAAAZAAAAA0AAAAAkAAAAEgAAACQAAAASAAAAAAAAAAAAAAAAAAAAAEAAABQAAAAAAAAAAAA4D8AAAAAAADgPwAAAAAAAOA/AAAAAAAA4D8AAAAAAADgPwAAAAAAAOA/AAAAAAAA4D8AAAAAAADgPwAAAAAAAOA/AAAAAAAA4D8CAAAAjAAAAAAAAAAAAAAARHLEDP///wgAAAAAAAAAAAAAAAAAAAAAAAAAAAAAAAAAAAAAZAAAAAEAAABAAAAAAAAAAAAAAAAAAAAAAAAAAAAAAAAAAAAAAAAAAAAAAAAAAAAAAAAAAAAAAAAAAAAAAAAAAAAAAAAAAAAAAAAAAAAAAAAAAAAAAAAAAAAAAAAAAAAAFAAAADwAAAAAAAAAAAAAAAAAAAkUAAAAAQAAABQAAAAUAAAAFAAAAAEAAAAAAAAAZAAAAGQAAAAAAAAAZAAAAGQAAAAVAAAAYAAAAAAAAAAAAAAADwAAACADAAAAAAAAAAAAAAEAAACgMgAAVgcAAKr4//8BAAAAf39/AAEAAABkAAAAAAAAABQAAABAHwAAAAAAACYAAAAAAAAAwOD//wAAAAAmAAAAZAAAABYAAABMAAAAAAAAAAAAAAAEAAAAAAAAAAEAAADn5uYKAAAAACgAAAAoAAAAZAAAAGQAAAAAAAAAzMzMAAAAAABQAAAAUAAAAGQAAABkAAAAAAAAABcAAAAUAAAAAAAAAAAAAAD/fwAA/38AAAAAAAAJAAAABAAAAAAAAAAeAAAAaAAAAAAAAAAAAAAAAAAAAAAAAAAAAAAAECcAABAnAAAAAAAAAAAAAAAAAAAAAAAAAAAAAAAAAAAAAAAAAAAAABQAAAAAAAAAwMD/AAAAAABkAAAAMgAAAAAAAABkAAAAAAAAAH9/fwAKAAAAIgAAABgAAAAAAAAAAAAAAAAAAAAAAAAAAAAAAAAAAAAkAAAAJAAAAAAAAAAHAAAAAAAAAAAAAAAAAAAAAAAAAAAAAAAAAAAAf39/ACUAAABYAAAAAAAAAAAAAAAAAAAAAAAAAAAAAAAAAAAAAAAAAAAAAAAAAAAAAAAAAAAAAAA/AAAAAAAAAKCGAQAAAAAAAAAAAAAAAAAMAAAAAQAAAAAAAAAAAAAAAAAAAB8AAABUAAAAAAAABQAAAAEAAAAAAAAAAAAAAAAAAAAAAAAAAAAAAAAAAAAAAAAAAAAAAAJ/f38AAAAAA8zMzADAwP8Af39/AAAAAAAAAAAAAAAAAAAAAAAAAAAAIQAAABgAAAAUAAAAHgUAADwcAADORQAAdiUAABAAAAAmAAAACAAAAAGAAAAAAAAAMAAAABQAAAAAAAAAAAD//wAAAQAAAP//AAABAA=="/>
               </a:ext>
             </a:extLst>
           </p:cNvSpPr>
@@ -2436,7 +2436,7 @@
             <a:spLocks noGrp="1" noChangeArrowheads="1"/>
             <a:extLst>
               <a:ext uri="smNativeData">
-                <pr:smNativeData xmlns:mc="http://schemas.openxmlformats.org/markup-compatibility/2006" xmlns:p14="http://schemas.microsoft.com/office/powerpoint/2010/main" xmlns:p15="http://schemas.microsoft.com/office/powerpoint/2012/main" xmlns:pr="smNativeData" xmlns="smNativeData" val="SMDATA_16_xzE7ZxMAAAAlAAAAZAAAAA0AAAAAkAAAAEgAAACQAAAASAAAAAAAAAABAAAAAAAAAAEAAABQAAAAAAAAAAAA4D8AAAAAAADgPwAAAAAAAOA/AAAAAAAA4D8AAAAAAADgPwAAAAAAAOA/AAAAAAAA4D8AAAAAAADgPwAAAAAAAOA/AAAAAAAA4D8CAAAAjAAAAAAAAAAAAAAARHLEDP///wgAAAAAAAAAAAAAAAAAAAAAAAAAAAAAAAAAAAAAZAAAAAEAAABAAAAAAAAAAAAAAAAAAAAAAAAAAAAAAAAAAAAAAAAAAAAAAAAAAAAAAAAAAAAAAAAAAAAAAAAAAAAAAAAAAAAAAAAAAAAAAAAAAAAAAAAAAAAAAAAAAAAAFAAAADwAAAAAAAAAAAAAAAAAAAkUAAAAAQAAABQAAAAUAAAAFAAAAAEAAAAAAAAAZAAAAGQAAAAAAAAAZAAAAGQAAAAVAAAAYAAAAAAAAAAAAAAADwAAACADAAAAAAAAAAAAAAEAAACgMgAAVgcAAKr4//8BAAAAf39/AAEAAABkAAAAAAAAABQAAABAHwAAAAAAACYAAAAAAAAAwOD//wAAAAAmAAAAZAAAABYAAABMAAAAAAAAAAAAAAAEAAAAAAAAAAEAAADn5uYKAAAAACgAAAAoAAAAZAAAAGQAAAAAAAAAzMzMAAAAAABQAAAAUAAAAGQAAABkAAAAAAAAABcAAAAUAAAAAAAAAAAAAAD/fwAA/38AAAAAAAAJAAAABAAAAAAAAAAeAAAAaAAAAAAAAAAAAAAAAAAAAAAAAAAAAAAAECcAABAnAAAAAAAAAAAAAAAAAAAAAAAAAAAAAAAAAAAAAAAAAAAAABQAAAAAAAAAwMD/AAAAAABkAAAAMgAAAAAAAABkAAAAAAAAAH9/fwAKAAAAIgAAABgAAAAAAAAAAAAAAAAAAAAAAAAAAAAAAAAAAAAkAAAAJAAAAAAAAAAHAAAAAAAAAAAAAAAAAAAAAAAAAAAAAAAAAAAAf39/ACUAAABYAAAAAAAAAAAAAAAAAAAAAAAAAAAAAAAAAAAAAAAAAAAAAAAAAAAAAAAAAAAAAAA/AAAAAAAAAKCGAQAAAAAAAAAAAAAAAAAMAAAAAQAAAAAAAAAAAAAAAAAAAB8AAABUAAAAAAAABQAAAAEAAAAAAAAAAAAAAAAAAAAAAAAAAAAAAAAAAAAAAAAAAAAAAAJ/f38AAAAAA8zMzADAwP8Af39/AAAAAAAAAAAAAAAAAAAAAAAAAAAAIQAAABgAAAAUAAAAKAUAABonAAAIFgAAWSkAABAAAAAmAAAACAAAAAAAAAAAAAAAMAAAABQAAAAAAAAAAAD//wAAAQAAAP//AAABAA=="/>
+                <pr:smNativeData xmlns="smNativeData" xmlns:pr="smNativeData" xmlns:p15="http://schemas.microsoft.com/office/powerpoint/2012/main" xmlns:p14="http://schemas.microsoft.com/office/powerpoint/2010/main" xmlns:mc="http://schemas.openxmlformats.org/markup-compatibility/2006" val="SMDATA_16_xzE7ZxMAAAAlAAAAZAAAAA0AAAAAkAAAAEgAAACQAAAASAAAAAAAAAABAAAAAAAAAAEAAABQAAAAAAAAAAAA4D8AAAAAAADgPwAAAAAAAOA/AAAAAAAA4D8AAAAAAADgPwAAAAAAAOA/AAAAAAAA4D8AAAAAAADgPwAAAAAAAOA/AAAAAAAA4D8CAAAAjAAAAAAAAAAAAAAARHLEDP///wgAAAAAAAAAAAAAAAAAAAAAAAAAAAAAAAAAAAAAZAAAAAEAAABAAAAAAAAAAAAAAAAAAAAAAAAAAAAAAAAAAAAAAAAAAAAAAAAAAAAAAAAAAAAAAAAAAAAAAAAAAAAAAAAAAAAAAAAAAAAAAAAAAAAAAAAAAAAAAAAAAAAAFAAAADwAAAAAAAAAAAAAAAAAAAkUAAAAAQAAABQAAAAUAAAAFAAAAAEAAAAAAAAAZAAAAGQAAAAAAAAAZAAAAGQAAAAVAAAAYAAAAAAAAAAAAAAADwAAACADAAAAAAAAAAAAAAEAAACgMgAAVgcAAKr4//8BAAAAf39/AAEAAABkAAAAAAAAABQAAABAHwAAAAAAACYAAAAAAAAAwOD//wAAAAAmAAAAZAAAABYAAABMAAAAAAAAAAAAAAAEAAAAAAAAAAEAAADn5uYKAAAAACgAAAAoAAAAZAAAAGQAAAAAAAAAzMzMAAAAAABQAAAAUAAAAGQAAABkAAAAAAAAABcAAAAUAAAAAAAAAAAAAAD/fwAA/38AAAAAAAAJAAAABAAAAAAAAAAeAAAAaAAAAAAAAAAAAAAAAAAAAAAAAAAAAAAAECcAABAnAAAAAAAAAAAAAAAAAAAAAAAAAAAAAAAAAAAAAAAAAAAAABQAAAAAAAAAwMD/AAAAAABkAAAAMgAAAAAAAABkAAAAAAAAAH9/fwAKAAAAIgAAABgAAAAAAAAAAAAAAAAAAAAAAAAAAAAAAAAAAAAkAAAAJAAAAAAAAAAHAAAAAAAAAAAAAAAAAAAAAAAAAAAAAAAAAAAAf39/ACUAAABYAAAAAAAAAAAAAAAAAAAAAAAAAAAAAAAAAAAAAAAAAAAAAAAAAAAAAAAAAAAAAAA/AAAAAAAAAKCGAQAAAAAAAAAAAAAAAAAMAAAAAQAAAAAAAAAAAAAAAAAAAB8AAABUAAAAAAAABQAAAAEAAAAAAAAAAAAAAAAAAAAAAAAAAAAAAAAAAAAAAAAAAAAAAAJ/f38AAAAAA8zMzADAwP8Af39/AAAAAAAAAAAAAAAAAAAAAAAAAAAAIQAAABgAAAAUAAAAKAUAABonAAAIFgAAWSkAABAAAAAmAAAACAAAAAAAAAAAAAAAMAAAABQAAAAAAAAAAAD//wAAAQAAAP//AAABAA=="/>
               </a:ext>
             </a:extLst>
           </p:cNvSpPr>
@@ -2466,7 +2466,7 @@
             <a:spLocks noGrp="1" noChangeArrowheads="1"/>
             <a:extLst>
               <a:ext uri="smNativeData">
-                <pr:smNativeData xmlns:mc="http://schemas.openxmlformats.org/markup-compatibility/2006" xmlns:p14="http://schemas.microsoft.com/office/powerpoint/2010/main" xmlns:p15="http://schemas.microsoft.com/office/powerpoint/2012/main" xmlns:pr="smNativeData" xmlns="smNativeData" val="SMDATA_16_xzE7ZxMAAAAlAAAAZAAAAA0AAAAAkAAAAEgAAACQAAAASAAAAAAAAAABAAAAAAAAAAEAAABQAAAAAAAAAAAA4D8AAAAAAADgPwAAAAAAAOA/AAAAAAAA4D8AAAAAAADgPwAAAAAAAOA/AAAAAAAA4D8AAAAAAADgPwAAAAAAAOA/AAAAAAAA4D8CAAAAjAAAAAAAAAAAAAAARHLEDP///wgAAAAAAAAAAAAAAAAAAAAAAAAAAAAAAAAAAAAAZAAAAAEAAABAAAAAAAAAAAAAAAAAAAAAAAAAAAAAAAAAAAAAAAAAAAAAAAAAAAAAAAAAAAAAAAAAAAAAAAAAAAAAAAAAAAAAAAAAAAAAAAAAAAAAAAAAAAAAAAAAAAAAFAAAADwAAAAAAAAAAAAAAAAAAAkUAAAAAQAAABQAAAAUAAAAFAAAAAEAAAAAAAAAZAAAAGQAAAAAAAAAZAAAAGQAAAAVAAAAYAAAAAAAAAAAAAAADwAAACADAAAAAAAAAAAAAAEAAACgMgAAVgcAAKr4//8BAAAAf39/AAEAAABkAAAAAAAAABQAAABAHwAAAAAAACYAAAAAAAAAwOD//wAAAAAmAAAAZAAAABYAAABMAAAAAAAAAAAAAAAEAAAAAAAAAAEAAADn5uYKAAAAACgAAAAoAAAAZAAAAGQAAAAAAAAAzMzMAAAAAABQAAAAUAAAAGQAAABkAAAAAAAAABcAAAAUAAAAAAAAAAAAAAD/fwAA/38AAAAAAAAJAAAABAAAAAAAAAAeAAAAaAAAAAAAAAAAAAAAAAAAAAAAAAAAAAAAECcAABAnAAAAAAAAAAAAAAAAAAAAAAAAAAAAAAAAAAAAAAAAAAAAABQAAAAAAAAAwMD/AAAAAABkAAAAMgAAAAAAAABkAAAAAAAAAH9/fwAKAAAAIgAAABgAAAAAAAAAAAAAAAAAAAAAAAAAAAAAAAAAAAAkAAAAJAAAAAAAAAAHAAAAAAAAAAAAAAAAAAAAAAAAAAAAAAAAAAAAf39/ACUAAABYAAAAAAAAAAAAAAAAAAAAAAAAAAAAAAAAAAAAAAAAAAAAAAAAAAAAAAAAAAAAAAA/AAAAAAAAAKCGAQAAAAAAAAAAAAAAAAAMAAAAAQAAAAAAAAAAAAAAAAAAAB8AAABUAAAAAAAABQAAAAEAAAAAAAAAAAAAAAAAAAAAAAAAAAAAAAAAAAAAAAAAAAAAAAJ/f38AAAAAA8zMzADAwP8Af39/AAAAAAAAAAAAAAAAAAAAAAAAAAAAIQAAABgAAAAUAAAA2BgAABonAAAoMgAAWSkAABAAAAAmAAAACAAAAAAAAAAAAAAAMAAAABQAAAAAAAAAAAD//wAAAQAAAP//AAABAA=="/>
+                <pr:smNativeData xmlns="smNativeData" xmlns:pr="smNativeData" xmlns:p15="http://schemas.microsoft.com/office/powerpoint/2012/main" xmlns:p14="http://schemas.microsoft.com/office/powerpoint/2010/main" xmlns:mc="http://schemas.openxmlformats.org/markup-compatibility/2006" val="SMDATA_16_xzE7ZxMAAAAlAAAAZAAAAA0AAAAAkAAAAEgAAACQAAAASAAAAAAAAAABAAAAAAAAAAEAAABQAAAAAAAAAAAA4D8AAAAAAADgPwAAAAAAAOA/AAAAAAAA4D8AAAAAAADgPwAAAAAAAOA/AAAAAAAA4D8AAAAAAADgPwAAAAAAAOA/AAAAAAAA4D8CAAAAjAAAAAAAAAAAAAAARHLEDP///wgAAAAAAAAAAAAAAAAAAAAAAAAAAAAAAAAAAAAAZAAAAAEAAABAAAAAAAAAAAAAAAAAAAAAAAAAAAAAAAAAAAAAAAAAAAAAAAAAAAAAAAAAAAAAAAAAAAAAAAAAAAAAAAAAAAAAAAAAAAAAAAAAAAAAAAAAAAAAAAAAAAAAFAAAADwAAAAAAAAAAAAAAAAAAAkUAAAAAQAAABQAAAAUAAAAFAAAAAEAAAAAAAAAZAAAAGQAAAAAAAAAZAAAAGQAAAAVAAAAYAAAAAAAAAAAAAAADwAAACADAAAAAAAAAAAAAAEAAACgMgAAVgcAAKr4//8BAAAAf39/AAEAAABkAAAAAAAAABQAAABAHwAAAAAAACYAAAAAAAAAwOD//wAAAAAmAAAAZAAAABYAAABMAAAAAAAAAAAAAAAEAAAAAAAAAAEAAADn5uYKAAAAACgAAAAoAAAAZAAAAGQAAAAAAAAAzMzMAAAAAABQAAAAUAAAAGQAAABkAAAAAAAAABcAAAAUAAAAAAAAAAAAAAD/fwAA/38AAAAAAAAJAAAABAAAAAAAAAAeAAAAaAAAAAAAAAAAAAAAAAAAAAAAAAAAAAAAECcAABAnAAAAAAAAAAAAAAAAAAAAAAAAAAAAAAAAAAAAAAAAAAAAABQAAAAAAAAAwMD/AAAAAABkAAAAMgAAAAAAAABkAAAAAAAAAH9/fwAKAAAAIgAAABgAAAAAAAAAAAAAAAAAAAAAAAAAAAAAAAAAAAAkAAAAJAAAAAAAAAAHAAAAAAAAAAAAAAAAAAAAAAAAAAAAAAAAAAAAf39/ACUAAABYAAAAAAAAAAAAAAAAAAAAAAAAAAAAAAAAAAAAAAAAAAAAAAAAAAAAAAAAAAAAAAA/AAAAAAAAAKCGAQAAAAAAAAAAAAAAAAAMAAAAAQAAAAAAAAAAAAAAAAAAAB8AAABUAAAAAAAABQAAAAEAAAAAAAAAAAAAAAAAAAAAAAAAAAAAAAAAAAAAAAAAAAAAAAJ/f38AAAAAA8zMzADAwP8Af39/AAAAAAAAAAAAAAAAAAAAAAAAAAAAIQAAABgAAAAUAAAA2BgAABonAAAoMgAAWSkAABAAAAAmAAAACAAAAAAAAAAAAAAAMAAAABQAAAAAAAAAAAD//wAAAQAAAP//AAABAA=="/>
               </a:ext>
             </a:extLst>
           </p:cNvSpPr>
@@ -2493,7 +2493,7 @@
             <a:spLocks noGrp="1" noChangeArrowheads="1"/>
             <a:extLst>
               <a:ext uri="smNativeData">
-                <pr:smNativeData xmlns:mc="http://schemas.openxmlformats.org/markup-compatibility/2006" xmlns:p14="http://schemas.microsoft.com/office/powerpoint/2010/main" xmlns:p15="http://schemas.microsoft.com/office/powerpoint/2012/main" xmlns:pr="smNativeData" xmlns="smNativeData" val="SMDATA_16_xzE7ZxMAAAAlAAAAZAAAAA0AAAAAkAAAAEgAAACQAAAASAAAAAAAAAABAAAAAAAAAAEAAABQAAAAAAAAAAAA4D8AAAAAAADgPwAAAAAAAOA/AAAAAAAA4D8AAAAAAADgPwAAAAAAAOA/AAAAAAAA4D8AAAAAAADgPwAAAAAAAOA/AAAAAAAA4D8CAAAAjAAAAAAAAAAAAAAARHLEDP///wgAAAAAAAAAAAAAAAAAAAAAAAAAAAAAAAAAAAAAZAAAAAEAAABAAAAAAAAAAAAAAAAAAAAAAAAAAAAAAAAAAAAAAAAAAAAAAAAAAAAAAAAAAAAAAAAAAAAAAAAAAAAAAAAAAAAAAAAAAAAAAAAAAAAAAAAAAAAAAAAAAAAAFAAAADwAAAAAAAAAAAAAAAAAAAkUAAAAAQAAABQAAAAUAAAAFAAAAAEAAAAAAAAAZAAAAGQAAAAAAAAAZAAAAGQAAAAVAAAAYAAAAAAAAAAAAAAADwAAACADAAAAAAAAAAAAAAEAAACgMgAAVgcAAKr4//8BAAAAf39/AAEAAABkAAAAAAAAABQAAABAHwAAAAAAACYAAAAAAAAAwOD//wAAAAAmAAAAZAAAABYAAABMAAAAAAAAAAAAAAAEAAAAAAAAAAEAAADn5uYKAAAAACgAAAAoAAAAZAAAAGQAAAAAAAAAzMzMAAAAAABQAAAAUAAAAGQAAABkAAAAAAAAABcAAAAUAAAAAAAAAAAAAAD/fwAA/38AAAAAAAAJAAAABAAAAAUAAAAeAAAAaAAAAAAAAAAAAAAAAAAAAAAAAAAAAAAAECcAABAnAAAAAAAAAAAAAAAAAAAAAAAAAAAAAAAAAAAAAAAAAAAAABQAAAAAAAAAwMD/AAAAAABkAAAAMgAAAAAAAABkAAAAAAAAAH9/fwAKAAAAIgAAABgAAAAAAAAAAAAAAAAAAAAAAAAAAAAAAAAAAAAkAAAAJAAAAAAAAAAHAAAAAAAAAAAAAAAAAAAAAAAAAAAAAAAAAAAAf39/ACUAAABYAAAAAAAAAAAAAAAAAAAAAAAAAAAAAAAAAAAAAAAAAAAAAAAAAAAAAAAAAAAAAAA/AAAAAAAAAKCGAQAAAAAAAAAAAAAAAAAMAAAAAQAAAAAAAAAAAAAAAAAAAB8AAABUAAAAAAAABQAAAAEAAAAAAAAAAAAAAAAAAAAAAAAAAAAAAAAAAAAAAAAAAAAAAAJ/f38AAAAAA8zMzADAwP8Af39/AAAAAAAAAAAAAAAAAAAAAAAAAAAAIQAAABgAAAAUAAAA+DQAABonAADYRQAAWSkAABAAAAAmAAAACAAAAAAAAAAAAAAAMAAAABQAAAAAAAAAAAD//wAAAQAAAP//AAABAA=="/>
+                <pr:smNativeData xmlns="smNativeData" xmlns:pr="smNativeData" xmlns:p15="http://schemas.microsoft.com/office/powerpoint/2012/main" xmlns:p14="http://schemas.microsoft.com/office/powerpoint/2010/main" xmlns:mc="http://schemas.openxmlformats.org/markup-compatibility/2006" val="SMDATA_16_xzE7ZxMAAAAlAAAAZAAAAA0AAAAAkAAAAEgAAACQAAAASAAAAAAAAAABAAAAAAAAAAEAAABQAAAAAAAAAAAA4D8AAAAAAADgPwAAAAAAAOA/AAAAAAAA4D8AAAAAAADgPwAAAAAAAOA/AAAAAAAA4D8AAAAAAADgPwAAAAAAAOA/AAAAAAAA4D8CAAAAjAAAAAAAAAAAAAAARHLEDP///wgAAAAAAAAAAAAAAAAAAAAAAAAAAAAAAAAAAAAAZAAAAAEAAABAAAAAAAAAAAAAAAAAAAAAAAAAAAAAAAAAAAAAAAAAAAAAAAAAAAAAAAAAAAAAAAAAAAAAAAAAAAAAAAAAAAAAAAAAAAAAAAAAAAAAAAAAAAAAAAAAAAAAFAAAADwAAAAAAAAAAAAAAAAAAAkUAAAAAQAAABQAAAAUAAAAFAAAAAEAAAAAAAAAZAAAAGQAAAAAAAAAZAAAAGQAAAAVAAAAYAAAAAAAAAAAAAAADwAAACADAAAAAAAAAAAAAAEAAACgMgAAVgcAAKr4//8BAAAAf39/AAEAAABkAAAAAAAAABQAAABAHwAAAAAAACYAAAAAAAAAwOD//wAAAAAmAAAAZAAAABYAAABMAAAAAAAAAAAAAAAEAAAAAAAAAAEAAADn5uYKAAAAACgAAAAoAAAAZAAAAGQAAAAAAAAAzMzMAAAAAABQAAAAUAAAAGQAAABkAAAAAAAAABcAAAAUAAAAAAAAAAAAAAD/fwAA/38AAAAAAAAJAAAABAAAAAUAAAAeAAAAaAAAAAAAAAAAAAAAAAAAAAAAAAAAAAAAECcAABAnAAAAAAAAAAAAAAAAAAAAAAAAAAAAAAAAAAAAAAAAAAAAABQAAAAAAAAAwMD/AAAAAABkAAAAMgAAAAAAAABkAAAAAAAAAH9/fwAKAAAAIgAAABgAAAAAAAAAAAAAAAAAAAAAAAAAAAAAAAAAAAAkAAAAJAAAAAAAAAAHAAAAAAAAAAAAAAAAAAAAAAAAAAAAAAAAAAAAf39/ACUAAABYAAAAAAAAAAAAAAAAAAAAAAAAAAAAAAAAAAAAAAAAAAAAAAAAAAAAAAAAAAAAAAA/AAAAAAAAAKCGAQAAAAAAAAAAAAAAAAAMAAAAAQAAAAAAAAAAAAAAAAAAAB8AAABUAAAAAAAABQAAAAEAAAAAAAAAAAAAAAAAAAAAAAAAAAAAAAAAAAAAAAAAAAAAAAJ/f38AAAAAA8zMzADAwP8Af39/AAAAAAAAAAAAAAAAAAAAAAAAAAAAIQAAABgAAAAUAAAA+DQAABonAADYRQAAWSkAABAAAAAmAAAACAAAAAAAAAAAAAAAMAAAABQAAAAAAAAAAAD//wAAAQAAAP//AAABAA=="/>
               </a:ext>
             </a:extLst>
           </p:cNvSpPr>
@@ -2549,7 +2549,7 @@
             <a:spLocks noGrp="1" noChangeArrowheads="1"/>
             <a:extLst>
               <a:ext uri="smNativeData">
-                <pr:smNativeData xmlns:mc="http://schemas.openxmlformats.org/markup-compatibility/2006" xmlns:p14="http://schemas.microsoft.com/office/powerpoint/2010/main" xmlns:p15="http://schemas.microsoft.com/office/powerpoint/2012/main" xmlns:pr="smNativeData" xmlns="smNativeData" val="SMDATA_16_xzE7ZxMAAAAlAAAAZAAAAA0AAAAAkAAAAEgAAACQAAAASAAAAAAAAAABAAAAAAAAAAEAAABQAAAAAAAAAAAA4D8AAAAAAADgPwAAAAAAAOA/AAAAAAAA4D8AAAAAAADgPwAAAAAAAOA/AAAAAAAA4D8AAAAAAADgPwAAAAAAAOA/AAAAAAAA4D8CAAAAjAAAAAAAAAAAAAAARHLEDP///wgAAAAAAAAAAAAAAAAAAAAAAAAAAAAAAAAAAAAAZAAAAAEAAABAAAAAAAAAAAAAAAAAAAAAAAAAAAAAAAAAAAAAAAAAAAAAAAAAAAAAAAAAAAAAAAAAAAAAAAAAAAAAAAAAAAAAAAAAAAAAAAAAAAAAAAAAAAAAAAAAAAAAFAAAADwAAAAAAAAAAAAAAAAAAAkUAAAAAQAAABQAAAAUAAAAFAAAAAEAAAAAAAAAZAAAAGQAAAAAAAAAZAAAAGQAAAAVAAAAYAAAAAAAAAAAAAAADwAAACADAAAAAAAAAAAAAAEAAACgMgAAVgcAAKr4//8BAAAAf39/AAEAAABkAAAAAAAAABQAAABAHwAAAAAAACYAAAAAAAAAwOD//wAAAAAmAAAAZAAAABYAAABMAAAAAAAAAAAAAAAEAAAAAAAAAAEAAADn5uYKAAAAACgAAAAoAAAAZAAAAGQAAAAAAAAAzMzMAAAAAABQAAAAUAAAAGQAAABkAAAAAAAAABcAAAAUAAAAAAAAAAAAAAD/fwAA/38AAAAAAAAJAAAABAAAAAFuTT0eAAAAaAAAAAAAAAAAAAAAAAAAAAAAAAAAAAAAECcAABAnAAAAAAAAAAAAAAAAAAAAAAAAAAAAAAAAAAAAAAAAAAAAABQAAAAAAAAAwMD/AAAAAABkAAAAMgAAAAAAAABkAAAAAAAAAH9/fwAKAAAAIgAAABgAAAAAAAAAAAAAAAAAAAAAAAAAAAAAAAAAAAAkAAAAJAAAAAAAAAAHAAAAAAAAAAAAAAAAAAAAAAAAAAAAAAAAAAAAf39/ACUAAABYAAAAAAAAAAAAAAAAAAAAAAAAAAAAAAAAAAAAAAAAAAAAAAAAAAAAAAAAAAAAAAA/AAAAAAAAAKCGAQAAAAAAAAAAAAAAAAAMAAAAAQAAAAAAAAAAAAAAAAAAAB8AAABUAAAAAAAABQAAAAEAAAAAAAAAAAAAAAAAAAAAAAAAAAAAAAAAAAAAAAAAAAAAAAJ/f38AAAAAA8zMzADAwP8Af39/AAAAAAAAAAAAAAAAAAAAAAAAAAAAIQAAABgAAAAUAAAAKAUAAD8CAADYRQAAZwoAABAAAAAmAAAACAAAAAAAAAAAAAAAMAAAABQAAAAAAAAAAAD//wAAAQAAAP//AAABAA=="/>
+                <pr:smNativeData xmlns="smNativeData" xmlns:pr="smNativeData" xmlns:p15="http://schemas.microsoft.com/office/powerpoint/2012/main" xmlns:p14="http://schemas.microsoft.com/office/powerpoint/2010/main" xmlns:mc="http://schemas.openxmlformats.org/markup-compatibility/2006" val="SMDATA_16_xzE7ZxMAAAAlAAAAZAAAAA0AAAAAkAAAAEgAAACQAAAASAAAAAAAAAABAAAAAAAAAAEAAABQAAAAAAAAAAAA4D8AAAAAAADgPwAAAAAAAOA/AAAAAAAA4D8AAAAAAADgPwAAAAAAAOA/AAAAAAAA4D8AAAAAAADgPwAAAAAAAOA/AAAAAAAA4D8CAAAAjAAAAAAAAAAAAAAARHLEDP///wgAAAAAAAAAAAAAAAAAAAAAAAAAAAAAAAAAAAAAZAAAAAEAAABAAAAAAAAAAAAAAAAAAAAAAAAAAAAAAAAAAAAAAAAAAAAAAAAAAAAAAAAAAAAAAAAAAAAAAAAAAAAAAAAAAAAAAAAAAAAAAAAAAAAAAAAAAAAAAAAAAAAAFAAAADwAAAAAAAAAAAAAAAAAAAkUAAAAAQAAABQAAAAUAAAAFAAAAAEAAAAAAAAAZAAAAGQAAAAAAAAAZAAAAGQAAAAVAAAAYAAAAAAAAAAAAAAADwAAACADAAAAAAAAAAAAAAEAAACgMgAAVgcAAKr4//8BAAAAf39/AAEAAABkAAAAAAAAABQAAABAHwAAAAAAACYAAAAAAAAAwOD//wAAAAAmAAAAZAAAABYAAABMAAAAAAAAAAAAAAAEAAAAAAAAAAEAAADn5uYKAAAAACgAAAAoAAAAZAAAAGQAAAAAAAAAzMzMAAAAAABQAAAAUAAAAGQAAABkAAAAAAAAABcAAAAUAAAAAAAAAAAAAAD/fwAA/38AAAAAAAAJAAAABAAAAAFuTT0eAAAAaAAAAAAAAAAAAAAAAAAAAAAAAAAAAAAAECcAABAnAAAAAAAAAAAAAAAAAAAAAAAAAAAAAAAAAAAAAAAAAAAAABQAAAAAAAAAwMD/AAAAAABkAAAAMgAAAAAAAABkAAAAAAAAAH9/fwAKAAAAIgAAABgAAAAAAAAAAAAAAAAAAAAAAAAAAAAAAAAAAAAkAAAAJAAAAAAAAAAHAAAAAAAAAAAAAAAAAAAAAAAAAAAAAAAAAAAAf39/ACUAAABYAAAAAAAAAAAAAAAAAAAAAAAAAAAAAAAAAAAAAAAAAAAAAAAAAAAAAAAAAAAAAAA/AAAAAAAAAKCGAQAAAAAAAAAAAAAAAAAMAAAAAQAAAAAAAAAAAAAAAAAAAB8AAABUAAAAAAAABQAAAAEAAAAAAAAAAAAAAAAAAAAAAAAAAAAAAAAAAAAAAAAAAAAAAAJ/f38AAAAAA8zMzADAwP8Af39/AAAAAAAAAAAAAAAAAAAAAAAAAAAAIQAAABgAAAAUAAAAKAUAAD8CAADYRQAAZwoAABAAAAAmAAAACAAAAAAAAAAAAAAAMAAAABQAAAAAAAAAAAD//wAAAQAAAP//AAABAA=="/>
               </a:ext>
             </a:extLst>
           </p:cNvSpPr>
@@ -2578,7 +2578,7 @@
             <a:spLocks noGrp="1" noChangeArrowheads="1"/>
             <a:extLst>
               <a:ext uri="smNativeData">
-                <pr:smNativeData xmlns:mc="http://schemas.openxmlformats.org/markup-compatibility/2006" xmlns:p14="http://schemas.microsoft.com/office/powerpoint/2010/main" xmlns:p15="http://schemas.microsoft.com/office/powerpoint/2012/main" xmlns:pr="smNativeData" xmlns="smNativeData" val="SMDATA_16_xzE7ZxMAAAAlAAAAZAAAAA0AAAAAkAAAAEgAAACQAAAASAAAAAAAAAAAAAAAAAAAAAEAAABQAAAAAAAAAAAA4D8AAAAAAADgPwAAAAAAAOA/AAAAAAAA4D8AAAAAAADgPwAAAAAAAOA/AAAAAAAA4D8AAAAAAADgPwAAAAAAAOA/AAAAAAAA4D8CAAAAjAAAAAAAAAAAAAAARHLEDP///wgAAAAAAAAAAAAAAAAAAAAAAAAAAAAAAAAAAAAAZAAAAAEAAABAAAAAAAAAAAAAAAAAAAAAAAAAAAAAAAAAAAAAAAAAAAAAAAAAAAAAAAAAAAAAAAAAAAAAAAAAAAAAAAAAAAAAAAAAAAAAAAAAAAAAAAAAAAAAAAAAAAAAFAAAADwAAAAAAAAAAAAAAAAAAAkUAAAAAQAAABQAAAAUAAAAFAAAAAEAAAAAAAAAZAAAAGQAAAAAAAAAZAAAAGQAAAAVAAAAYAAAAAAAAAAAAAAADwAAACADAAAAAAAAAAAAAAEAAACgMgAAVgcAAKr4//8BAAAAf39/AAEAAABkAAAAAAAAABQAAABAHwAAAAAAACYAAAAAAAAAwOD//wAAAAAmAAAAZAAAABYAAABMAAAAAAAAAAAAAAAEAAAAAAAAAAEAAADn5uYKAAAAACgAAAAoAAAAZAAAAGQAAAAAAAAAzMzMAAAAAABQAAAAUAAAAGQAAABkAAAAAAAAABcAAAAUAAAAAAAAAAAAAAD/fwAA/38AAAAAAAAJAAAABAAAAODUY0AeAAAAaAAAAAAAAAAAAAAAAAAAAAAAAAAAAAAAECcAABAnAAAAAAAAAAAAAAAAAAAAAAAAAAAAAAAAAAAAAAAAAAAAABQAAAAAAAAAwMD/AAAAAABkAAAAMgAAAAAAAABkAAAAAAAAAH9/fwAKAAAAIgAAABgAAAAAAAAAAAAAAAAAAAAAAAAAAAAAAAAAAAAkAAAAJAAAAAAAAAAHAAAAAAAAAAAAAAAAAAAAAAAAAAAAAAAAAAAAf39/ACUAAABYAAAAAAAAAAAAAAAAAAAAAAAAAAAAAAAAAAAAAAAAAAAAAAAAAAAAAAAAAAAAAAA/AAAAAAAAAKCGAQAAAAAAAAAAAAAAAAAMAAAAAQAAAAAAAAAAAAAAAAAAAB8AAABUAAAAAAAABQAAAAEAAAAAAAAAAAAAAAAAAAAAAAAAAAAAAAAAAAAAAAAAAAAAAAJ/f38AAAAAA8zMzADAwP8Af39/AAAAAAAAAAAAAAAAAAAAAAAAAAAAIQAAABgAAAAUAAAAKAUAADsLAAAIJQAAACYAABAAAAAmAAAACAAAAAEAAAAAAAAAMAAAABQAAAAAAAAAAAD//wAAAQAAAP//AAABAA=="/>
+                <pr:smNativeData xmlns="smNativeData" xmlns:pr="smNativeData" xmlns:p15="http://schemas.microsoft.com/office/powerpoint/2012/main" xmlns:p14="http://schemas.microsoft.com/office/powerpoint/2010/main" xmlns:mc="http://schemas.openxmlformats.org/markup-compatibility/2006" val="SMDATA_16_xzE7ZxMAAAAlAAAAZAAAAA0AAAAAkAAAAEgAAACQAAAASAAAAAAAAAAAAAAAAAAAAAEAAABQAAAAAAAAAAAA4D8AAAAAAADgPwAAAAAAAOA/AAAAAAAA4D8AAAAAAADgPwAAAAAAAOA/AAAAAAAA4D8AAAAAAADgPwAAAAAAAOA/AAAAAAAA4D8CAAAAjAAAAAAAAAAAAAAARHLEDP///wgAAAAAAAAAAAAAAAAAAAAAAAAAAAAAAAAAAAAAZAAAAAEAAABAAAAAAAAAAAAAAAAAAAAAAAAAAAAAAAAAAAAAAAAAAAAAAAAAAAAAAAAAAAAAAAAAAAAAAAAAAAAAAAAAAAAAAAAAAAAAAAAAAAAAAAAAAAAAAAAAAAAAFAAAADwAAAAAAAAAAAAAAAAAAAkUAAAAAQAAABQAAAAUAAAAFAAAAAEAAAAAAAAAZAAAAGQAAAAAAAAAZAAAAGQAAAAVAAAAYAAAAAAAAAAAAAAADwAAACADAAAAAAAAAAAAAAEAAACgMgAAVgcAAKr4//8BAAAAf39/AAEAAABkAAAAAAAAABQAAABAHwAAAAAAACYAAAAAAAAAwOD//wAAAAAmAAAAZAAAABYAAABMAAAAAAAAAAAAAAAEAAAAAAAAAAEAAADn5uYKAAAAACgAAAAoAAAAZAAAAGQAAAAAAAAAzMzMAAAAAABQAAAAUAAAAGQAAABkAAAAAAAAABcAAAAUAAAAAAAAAAAAAAD/fwAA/38AAAAAAAAJAAAABAAAAODUY0AeAAAAaAAAAAAAAAAAAAAAAAAAAAAAAAAAAAAAECcAABAnAAAAAAAAAAAAAAAAAAAAAAAAAAAAAAAAAAAAAAAAAAAAABQAAAAAAAAAwMD/AAAAAABkAAAAMgAAAAAAAABkAAAAAAAAAH9/fwAKAAAAIgAAABgAAAAAAAAAAAAAAAAAAAAAAAAAAAAAAAAAAAAkAAAAJAAAAAAAAAAHAAAAAAAAAAAAAAAAAAAAAAAAAAAAAAAAAAAAf39/ACUAAABYAAAAAAAAAAAAAAAAAAAAAAAAAAAAAAAAAAAAAAAAAAAAAAAAAAAAAAAAAAAAAAA/AAAAAAAAAKCGAQAAAAAAAAAAAAAAAAAMAAAAAQAAAAAAAAAAAAAAAAAAAB8AAABUAAAAAAAABQAAAAEAAAAAAAAAAAAAAAAAAAAAAAAAAAAAAAAAAAAAAAAAAAAAAAJ/f38AAAAAA8zMzADAwP8Af39/AAAAAAAAAAAAAAAAAAAAAAAAAAAAIQAAABgAAAAUAAAAKAUAADsLAAAIJQAAACYAABAAAAAmAAAACAAAAAEAAAAAAAAAMAAAABQAAAAAAAAAAAD//wAAAQAAAP//AAABAA=="/>
               </a:ext>
             </a:extLst>
           </p:cNvSpPr>
@@ -2644,7 +2644,7 @@
             <a:spLocks noGrp="1" noChangeArrowheads="1"/>
             <a:extLst>
               <a:ext uri="smNativeData">
-                <pr:smNativeData xmlns:mc="http://schemas.openxmlformats.org/markup-compatibility/2006" xmlns:p14="http://schemas.microsoft.com/office/powerpoint/2010/main" xmlns:p15="http://schemas.microsoft.com/office/powerpoint/2012/main" xmlns:pr="smNativeData" xmlns="smNativeData" val="SMDATA_16_xzE7ZxMAAAAlAAAAZAAAAA0AAAAAkAAAAEgAAACQAAAASAAAAAAAAAAAAAAAAAAAAAEAAABQAAAAAAAAAAAA4D8AAAAAAADgPwAAAAAAAOA/AAAAAAAA4D8AAAAAAADgPwAAAAAAAOA/AAAAAAAA4D8AAAAAAADgPwAAAAAAAOA/AAAAAAAA4D8CAAAAjAAAAAAAAAAAAAAARHLEDP///wgAAAAAAAAAAAAAAAAAAAAAAAAAAAAAAAAAAAAAZAAAAAEAAABAAAAAAAAAAAAAAAAAAAAAAAAAAAAAAAAAAAAAAAAAAAAAAAAAAAAAAAAAAAAAAAAAAAAAAAAAAAAAAAAAAAAAAAAAAAAAAAAAAAAAAAAAAAAAAAAAAAAAFAAAADwAAAAAAAAAAAAAAAAAAAkUAAAAAQAAABQAAAAUAAAAFAAAAAEAAAAAAAAAZAAAAGQAAAAAAAAAZAAAAGQAAAAVAAAAYAAAAAAAAAAAAAAADwAAACADAAAAAAAAAAAAAAEAAACgMgAAVgcAAKr4//8BAAAAf39/AAEAAABkAAAAAAAAABQAAABAHwAAAAAAACYAAAAAAAAAwOD//wAAAAAmAAAAZAAAABYAAABMAAAAAAAAAAAAAAAEAAAAAAAAAAEAAADn5uYKAAAAACgAAAAoAAAAZAAAAGQAAAAAAAAAzMzMAAAAAABQAAAAUAAAAGQAAABkAAAAAAAAABcAAAAUAAAAAAAAAAAAAAD/fwAA/38AAAAAAAAJAAAABAAAAAAAAAAeAAAAaAAAAAAAAAAAAAAAAAAAAAAAAAAAAAAAECcAABAnAAAAAAAAAAAAAAAAAAAAAAAAAAAAAAAAAAAAAAAAAAAAABQAAAAAAAAAwMD/AAAAAABkAAAAMgAAAAAAAABkAAAAAAAAAH9/fwAKAAAAIgAAABgAAAAAAAAAAAAAAAAAAAAAAAAAAAAAAAAAAAAkAAAAJAAAAAAAAAAHAAAAAAAAAAAAAAAAAAAAAAAAAAAAAAAAAAAAf39/ACUAAABYAAAAAAAAAAAAAAAAAAAAAAAAAAAAAAAAAAAAAAAAAAAAAAAAAAAAAAAAAAAAAAA/AAAAAAAAAKCGAQAAAAAAAAAAAAAAAAAMAAAAAQAAAAAAAAAAAAAAAAAAAB8AAABUAAAAAAAABQAAAAEAAAAAAAAAAAAAAAAAAAAAAAAAAAAAAAAAAAAAAAAAAAAAAAJ/f38AAAAAA8zMzADAwP8Af39/AAAAAAAAAAAAAAAAAAAAAAAAAAAAIQAAABgAAAAUAAAA+CUAADsLAADYRQAAACYAABAAAAAmAAAACAAAAAEAAAAAAAAAMAAAABQAAAAAAAAAAAD//wAAAQAAAP//AAABAA=="/>
+                <pr:smNativeData xmlns="smNativeData" xmlns:pr="smNativeData" xmlns:p15="http://schemas.microsoft.com/office/powerpoint/2012/main" xmlns:p14="http://schemas.microsoft.com/office/powerpoint/2010/main" xmlns:mc="http://schemas.openxmlformats.org/markup-compatibility/2006" val="SMDATA_16_xzE7ZxMAAAAlAAAAZAAAAA0AAAAAkAAAAEgAAACQAAAASAAAAAAAAAAAAAAAAAAAAAEAAABQAAAAAAAAAAAA4D8AAAAAAADgPwAAAAAAAOA/AAAAAAAA4D8AAAAAAADgPwAAAAAAAOA/AAAAAAAA4D8AAAAAAADgPwAAAAAAAOA/AAAAAAAA4D8CAAAAjAAAAAAAAAAAAAAARHLEDP///wgAAAAAAAAAAAAAAAAAAAAAAAAAAAAAAAAAAAAAZAAAAAEAAABAAAAAAAAAAAAAAAAAAAAAAAAAAAAAAAAAAAAAAAAAAAAAAAAAAAAAAAAAAAAAAAAAAAAAAAAAAAAAAAAAAAAAAAAAAAAAAAAAAAAAAAAAAAAAAAAAAAAAFAAAADwAAAAAAAAAAAAAAAAAAAkUAAAAAQAAABQAAAAUAAAAFAAAAAEAAAAAAAAAZAAAAGQAAAAAAAAAZAAAAGQAAAAVAAAAYAAAAAAAAAAAAAAADwAAACADAAAAAAAAAAAAAAEAAACgMgAAVgcAAKr4//8BAAAAf39/AAEAAABkAAAAAAAAABQAAABAHwAAAAAAACYAAAAAAAAAwOD//wAAAAAmAAAAZAAAABYAAABMAAAAAAAAAAAAAAAEAAAAAAAAAAEAAADn5uYKAAAAACgAAAAoAAAAZAAAAGQAAAAAAAAAzMzMAAAAAABQAAAAUAAAAGQAAABkAAAAAAAAABcAAAAUAAAAAAAAAAAAAAD/fwAA/38AAAAAAAAJAAAABAAAAAAAAAAeAAAAaAAAAAAAAAAAAAAAAAAAAAAAAAAAAAAAECcAABAnAAAAAAAAAAAAAAAAAAAAAAAAAAAAAAAAAAAAAAAAAAAAABQAAAAAAAAAwMD/AAAAAABkAAAAMgAAAAAAAABkAAAAAAAAAH9/fwAKAAAAIgAAABgAAAAAAAAAAAAAAAAAAAAAAAAAAAAAAAAAAAAkAAAAJAAAAAAAAAAHAAAAAAAAAAAAAAAAAAAAAAAAAAAAAAAAAAAAf39/ACUAAABYAAAAAAAAAAAAAAAAAAAAAAAAAAAAAAAAAAAAAAAAAAAAAAAAAAAAAAAAAAAAAAA/AAAAAAAAAKCGAQAAAAAAAAAAAAAAAAAMAAAAAQAAAAAAAAAAAAAAAAAAAB8AAABUAAAAAAAABQAAAAEAAAAAAAAAAAAAAAAAAAAAAAAAAAAAAAAAAAAAAAAAAAAAAAJ/f38AAAAAA8zMzADAwP8Af39/AAAAAAAAAAAAAAAAAAAAAAAAAAAAIQAAABgAAAAUAAAA+CUAADsLAADYRQAAACYAABAAAAAmAAAACAAAAAEAAAAAAAAAMAAAABQAAAAAAAAAAAD//wAAAQAAAP//AAABAA=="/>
               </a:ext>
             </a:extLst>
           </p:cNvSpPr>
@@ -2710,7 +2710,7 @@
             <a:spLocks noGrp="1" noChangeArrowheads="1"/>
             <a:extLst>
               <a:ext uri="smNativeData">
-                <pr:smNativeData xmlns:mc="http://schemas.openxmlformats.org/markup-compatibility/2006" xmlns:p14="http://schemas.microsoft.com/office/powerpoint/2010/main" xmlns:p15="http://schemas.microsoft.com/office/powerpoint/2012/main" xmlns:pr="smNativeData" xmlns="smNativeData" val="SMDATA_16_xzE7ZxMAAAAlAAAAZAAAAA0AAAAAkAAAAEgAAACQAAAASAAAAAAAAAABAAAAAAAAAAEAAABQAAAAAAAAAAAA4D8AAAAAAADgPwAAAAAAAOA/AAAAAAAA4D8AAAAAAADgPwAAAAAAAOA/AAAAAAAA4D8AAAAAAADgPwAAAAAAAOA/AAAAAAAA4D8CAAAAjAAAAAAAAAAAAAAARHLEDP///wgAAAAAAAAAAAAAAAAAAAAAAAAAAAAAAAAAAAAAZAAAAAEAAABAAAAAAAAAAAAAAAAAAAAAAAAAAAAAAAAAAAAAAAAAAAAAAAAAAAAAAAAAAAAAAAAAAAAAAAAAAAAAAAAAAAAAAAAAAAAAAAAAAAAAAAAAAAAAAAAAAAAAFAAAADwAAAAAAAAAAAAAAAAAAAkUAAAAAQAAABQAAAAUAAAAFAAAAAEAAAAAAAAAZAAAAGQAAAAAAAAAZAAAAGQAAAAVAAAAYAAAAAAAAAAAAAAADwAAACADAAAAAAAAAAAAAAEAAACgMgAAVgcAAKr4//8BAAAAf39/AAEAAABkAAAAAAAAABQAAABAHwAAAAAAACYAAAAAAAAAwOD//wAAAAAmAAAAZAAAABYAAABMAAAAAAAAAAAAAAAEAAAAAAAAAAEAAADn5uYKAAAAACgAAAAoAAAAZAAAAGQAAAAAAAAAzMzMAAAAAABQAAAAUAAAAGQAAABkAAAAAAAAABcAAAAUAAAAAAAAAAAAAAD/fwAA/38AAAAAAAAJAAAABAAAAGYo8TweAAAAaAAAAAAAAAAAAAAAAAAAAAAAAAAAAAAAECcAABAnAAAAAAAAAAAAAAAAAAAAAAAAAAAAAAAAAAAAAAAAAAAAABQAAAAAAAAAwMD/AAAAAABkAAAAMgAAAAAAAABkAAAAAAAAAH9/fwAKAAAAIgAAABgAAAAAAAAAAAAAAAAAAAAAAAAAAAAAAAAAAAAkAAAAJAAAAAAAAAAHAAAAAAAAAAAAAAAAAAAAAAAAAAAAAAAAAAAAf39/ACUAAABYAAAAAAAAAAAAAAAAAAAAAAAAAAAAAAAAAAAAAAAAAAAAAAAAAAAAAAAAAAAAAAA/AAAAAAAAAKCGAQAAAAAAAAAAAAAAAAAMAAAAAQAAAAAAAAAAAAAAAAAAAB8AAABUAAAAAAAABQAAAAEAAAAAAAAAAAAAAAAAAAAAAAAAAAAAAAAAAAAAAAAAAAAAAAJ/f38AAAAAA8zMzADAwP8Af39/AAAAAAAAAAAAAAAAAAAAAAAAAAAAIQAAABgAAAAUAAAAKAUAABonAAAIFgAAWSkAABAAAAAmAAAACAAAAAAAAAAAAAAAMAAAABQAAAAAAAAAAAD//wAAAQAAAP//AAABAA=="/>
+                <pr:smNativeData xmlns="smNativeData" xmlns:pr="smNativeData" xmlns:p15="http://schemas.microsoft.com/office/powerpoint/2012/main" xmlns:p14="http://schemas.microsoft.com/office/powerpoint/2010/main" xmlns:mc="http://schemas.openxmlformats.org/markup-compatibility/2006" val="SMDATA_16_xzE7ZxMAAAAlAAAAZAAAAA0AAAAAkAAAAEgAAACQAAAASAAAAAAAAAABAAAAAAAAAAEAAABQAAAAAAAAAAAA4D8AAAAAAADgPwAAAAAAAOA/AAAAAAAA4D8AAAAAAADgPwAAAAAAAOA/AAAAAAAA4D8AAAAAAADgPwAAAAAAAOA/AAAAAAAA4D8CAAAAjAAAAAAAAAAAAAAARHLEDP///wgAAAAAAAAAAAAAAAAAAAAAAAAAAAAAAAAAAAAAZAAAAAEAAABAAAAAAAAAAAAAAAAAAAAAAAAAAAAAAAAAAAAAAAAAAAAAAAAAAAAAAAAAAAAAAAAAAAAAAAAAAAAAAAAAAAAAAAAAAAAAAAAAAAAAAAAAAAAAAAAAAAAAFAAAADwAAAAAAAAAAAAAAAAAAAkUAAAAAQAAABQAAAAUAAAAFAAAAAEAAAAAAAAAZAAAAGQAAAAAAAAAZAAAAGQAAAAVAAAAYAAAAAAAAAAAAAAADwAAACADAAAAAAAAAAAAAAEAAACgMgAAVgcAAKr4//8BAAAAf39/AAEAAABkAAAAAAAAABQAAABAHwAAAAAAACYAAAAAAAAAwOD//wAAAAAmAAAAZAAAABYAAABMAAAAAAAAAAAAAAAEAAAAAAAAAAEAAADn5uYKAAAAACgAAAAoAAAAZAAAAGQAAAAAAAAAzMzMAAAAAABQAAAAUAAAAGQAAABkAAAAAAAAABcAAAAUAAAAAAAAAAAAAAD/fwAA/38AAAAAAAAJAAAABAAAAGYo8TweAAAAaAAAAAAAAAAAAAAAAAAAAAAAAAAAAAAAECcAABAnAAAAAAAAAAAAAAAAAAAAAAAAAAAAAAAAAAAAAAAAAAAAABQAAAAAAAAAwMD/AAAAAABkAAAAMgAAAAAAAABkAAAAAAAAAH9/fwAKAAAAIgAAABgAAAAAAAAAAAAAAAAAAAAAAAAAAAAAAAAAAAAkAAAAJAAAAAAAAAAHAAAAAAAAAAAAAAAAAAAAAAAAAAAAAAAAAAAAf39/ACUAAABYAAAAAAAAAAAAAAAAAAAAAAAAAAAAAAAAAAAAAAAAAAAAAAAAAAAAAAAAAAAAAAA/AAAAAAAAAKCGAQAAAAAAAAAAAAAAAAAMAAAAAQAAAAAAAAAAAAAAAAAAAB8AAABUAAAAAAAABQAAAAEAAAAAAAAAAAAAAAAAAAAAAAAAAAAAAAAAAAAAAAAAAAAAAAJ/f38AAAAAA8zMzADAwP8Af39/AAAAAAAAAAAAAAAAAAAAAAAAAAAAIQAAABgAAAAUAAAAKAUAABonAAAIFgAAWSkAABAAAAAmAAAACAAAAAAAAAAAAAAAMAAAABQAAAAAAAAAAAD//wAAAQAAAP//AAABAA=="/>
               </a:ext>
             </a:extLst>
           </p:cNvSpPr>
@@ -2740,7 +2740,7 @@
             <a:spLocks noGrp="1" noChangeArrowheads="1"/>
             <a:extLst>
               <a:ext uri="smNativeData">
-                <pr:smNativeData xmlns:mc="http://schemas.openxmlformats.org/markup-compatibility/2006" xmlns:p14="http://schemas.microsoft.com/office/powerpoint/2010/main" xmlns:p15="http://schemas.microsoft.com/office/powerpoint/2012/main" xmlns:pr="smNativeData" xmlns="smNativeData" val="SMDATA_16_xzE7ZxMAAAAlAAAAZAAAAA0AAAAAkAAAAEgAAACQAAAASAAAAAAAAAABAAAAAAAAAAEAAABQAAAAAAAAAAAA4D8AAAAAAADgPwAAAAAAAOA/AAAAAAAA4D8AAAAAAADgPwAAAAAAAOA/AAAAAAAA4D8AAAAAAADgPwAAAAAAAOA/AAAAAAAA4D8CAAAAjAAAAAAAAAAAAAAARHLEDP///wgAAAAAAAAAAAAAAAAAAAAAAAAAAAAAAAAAAAAAZAAAAAEAAABAAAAAAAAAAAAAAAAAAAAAAAAAAAAAAAAAAAAAAAAAAAAAAAAAAAAAAAAAAAAAAAAAAAAAAAAAAAAAAAAAAAAAAAAAAAAAAAAAAAAAAAAAAAAAAAAAAAAAFAAAADwAAAAAAAAAAAAAAAAAAAkUAAAAAQAAABQAAAAUAAAAFAAAAAEAAAAAAAAAZAAAAGQAAAAAAAAAZAAAAGQAAAAVAAAAYAAAAAAAAAAAAAAADwAAACADAAAAAAAAAAAAAAEAAACgMgAAVgcAAKr4//8BAAAAf39/AAEAAABkAAAAAAAAABQAAABAHwAAAAAAACYAAAAAAAAAwOD//wAAAAAmAAAAZAAAABYAAABMAAAAAAAAAAAAAAAEAAAAAAAAAAEAAADn5uYKAAAAACgAAAAoAAAAZAAAAGQAAAAAAAAAzMzMAAAAAABQAAAAUAAAAGQAAABkAAAAAAAAABcAAAAUAAAAAAAAAAAAAAD/fwAA/38AAAAAAAAJAAAABAAAAAAAAAAeAAAAaAAAAAAAAAAAAAAAAAAAAAAAAAAAAAAAECcAABAnAAAAAAAAAAAAAAAAAAAAAAAAAAAAAAAAAAAAAAAAAAAAABQAAAAAAAAAwMD/AAAAAABkAAAAMgAAAAAAAABkAAAAAAAAAH9/fwAKAAAAIgAAABgAAAAAAAAAAAAAAAAAAAAAAAAAAAAAAAAAAAAkAAAAJAAAAAAAAAAHAAAAAAAAAAAAAAAAAAAAAAAAAAAAAAAAAAAAf39/ACUAAABYAAAAAAAAAAAAAAAAAAAAAAAAAAAAAAAAAAAAAAAAAAAAAAAAAAAAAAAAAAAAAAA/AAAAAAAAAKCGAQAAAAAAAAAAAAAAAAAMAAAAAQAAAAAAAAAAAAAAAAAAAB8AAABUAAAAAAAABQAAAAEAAAAAAAAAAAAAAAAAAAAAAAAAAAAAAAAAAAAAAAAAAAAAAAJ/f38AAAAAA8zMzADAwP8Af39/AAAAAAAAAAAAAAAAAAAAAAAAAAAAIQAAABgAAAAUAAAA2BgAABonAAAoMgAAWSkAABAAAAAmAAAACAAAAAAAAAAAAAAAMAAAABQAAAAAAAAAAAD//wAAAQAAAP//AAABAA=="/>
+                <pr:smNativeData xmlns="smNativeData" xmlns:pr="smNativeData" xmlns:p15="http://schemas.microsoft.com/office/powerpoint/2012/main" xmlns:p14="http://schemas.microsoft.com/office/powerpoint/2010/main" xmlns:mc="http://schemas.openxmlformats.org/markup-compatibility/2006" val="SMDATA_16_xzE7ZxMAAAAlAAAAZAAAAA0AAAAAkAAAAEgAAACQAAAASAAAAAAAAAABAAAAAAAAAAEAAABQAAAAAAAAAAAA4D8AAAAAAADgPwAAAAAAAOA/AAAAAAAA4D8AAAAAAADgPwAAAAAAAOA/AAAAAAAA4D8AAAAAAADgPwAAAAAAAOA/AAAAAAAA4D8CAAAAjAAAAAAAAAAAAAAARHLEDP///wgAAAAAAAAAAAAAAAAAAAAAAAAAAAAAAAAAAAAAZAAAAAEAAABAAAAAAAAAAAAAAAAAAAAAAAAAAAAAAAAAAAAAAAAAAAAAAAAAAAAAAAAAAAAAAAAAAAAAAAAAAAAAAAAAAAAAAAAAAAAAAAAAAAAAAAAAAAAAAAAAAAAAFAAAADwAAAAAAAAAAAAAAAAAAAkUAAAAAQAAABQAAAAUAAAAFAAAAAEAAAAAAAAAZAAAAGQAAAAAAAAAZAAAAGQAAAAVAAAAYAAAAAAAAAAAAAAADwAAACADAAAAAAAAAAAAAAEAAACgMgAAVgcAAKr4//8BAAAAf39/AAEAAABkAAAAAAAAABQAAABAHwAAAAAAACYAAAAAAAAAwOD//wAAAAAmAAAAZAAAABYAAABMAAAAAAAAAAAAAAAEAAAAAAAAAAEAAADn5uYKAAAAACgAAAAoAAAAZAAAAGQAAAAAAAAAzMzMAAAAAABQAAAAUAAAAGQAAABkAAAAAAAAABcAAAAUAAAAAAAAAAAAAAD/fwAA/38AAAAAAAAJAAAABAAAAAAAAAAeAAAAaAAAAAAAAAAAAAAAAAAAAAAAAAAAAAAAECcAABAnAAAAAAAAAAAAAAAAAAAAAAAAAAAAAAAAAAAAAAAAAAAAABQAAAAAAAAAwMD/AAAAAABkAAAAMgAAAAAAAABkAAAAAAAAAH9/fwAKAAAAIgAAABgAAAAAAAAAAAAAAAAAAAAAAAAAAAAAAAAAAAAkAAAAJAAAAAAAAAAHAAAAAAAAAAAAAAAAAAAAAAAAAAAAAAAAAAAAf39/ACUAAABYAAAAAAAAAAAAAAAAAAAAAAAAAAAAAAAAAAAAAAAAAAAAAAAAAAAAAAAAAAAAAAA/AAAAAAAAAKCGAQAAAAAAAAAAAAAAAAAMAAAAAQAAAAAAAAAAAAAAAAAAAB8AAABUAAAAAAAABQAAAAEAAAAAAAAAAAAAAAAAAAAAAAAAAAAAAAAAAAAAAAAAAAAAAAJ/f38AAAAAA8zMzADAwP8Af39/AAAAAAAAAAAAAAAAAAAAAAAAAAAAIQAAABgAAAAUAAAA2BgAABonAAAoMgAAWSkAABAAAAAmAAAACAAAAAAAAAAAAAAAMAAAABQAAAAAAAAAAAD//wAAAQAAAP//AAABAA=="/>
               </a:ext>
             </a:extLst>
           </p:cNvSpPr>
@@ -2767,7 +2767,7 @@
             <a:spLocks noGrp="1" noChangeArrowheads="1"/>
             <a:extLst>
               <a:ext uri="smNativeData">
-                <pr:smNativeData xmlns:mc="http://schemas.openxmlformats.org/markup-compatibility/2006" xmlns:p14="http://schemas.microsoft.com/office/powerpoint/2010/main" xmlns:p15="http://schemas.microsoft.com/office/powerpoint/2012/main" xmlns:pr="smNativeData" xmlns="smNativeData" val="SMDATA_16_xzE7ZxMAAAAlAAAAZAAAAA0AAAAAkAAAAEgAAACQAAAASAAAAAAAAAABAAAAAAAAAAEAAABQAAAAAAAAAAAA4D8AAAAAAADgPwAAAAAAAOA/AAAAAAAA4D8AAAAAAADgPwAAAAAAAOA/AAAAAAAA4D8AAAAAAADgPwAAAAAAAOA/AAAAAAAA4D8CAAAAjAAAAAAAAAAAAAAARHLEDP///wgAAAAAAAAAAAAAAAAAAAAAAAAAAAAAAAAAAAAAZAAAAAEAAABAAAAAAAAAAAAAAAAAAAAAAAAAAAAAAAAAAAAAAAAAAAAAAAAAAAAAAAAAAAAAAAAAAAAAAAAAAAAAAAAAAAAAAAAAAAAAAAAAAAAAAAAAAAAAAAAAAAAAFAAAADwAAAAAAAAAAAAAAAAAAAkUAAAAAQAAABQAAAAUAAAAFAAAAAEAAAAAAAAAZAAAAGQAAAAAAAAAZAAAAGQAAAAVAAAAYAAAAAAAAAAAAAAADwAAACADAAAAAAAAAAAAAAEAAACgMgAAVgcAAKr4//8BAAAAf39/AAEAAABkAAAAAAAAABQAAABAHwAAAAAAACYAAAAAAAAAwOD//wAAAAAmAAAAZAAAABYAAABMAAAAAAAAAAAAAAAEAAAAAAAAAAEAAADn5uYKAAAAACgAAAAoAAAAZAAAAGQAAAAAAAAAzMzMAAAAAABQAAAAUAAAAGQAAABkAAAAAAAAABcAAAAUAAAAAAAAAAAAAAD/fwAA/38AAAAAAAAJAAAABAAAAAAAAAAeAAAAaAAAAAAAAAAAAAAAAAAAAAAAAAAAAAAAECcAABAnAAAAAAAAAAAAAAAAAAAAAAAAAAAAAAAAAAAAAAAAAAAAABQAAAAAAAAAwMD/AAAAAABkAAAAMgAAAAAAAABkAAAAAAAAAH9/fwAKAAAAIgAAABgAAAAAAAAAAAAAAAAAAAAAAAAAAAAAAAAAAAAkAAAAJAAAAAAAAAAHAAAAAAAAAAAAAAAAAAAAAAAAAAAAAAAAAAAAf39/ACUAAABYAAAAAAAAAAAAAAAAAAAAAAAAAAAAAAAAAAAAAAAAAAAAAAAAAAAAAAAAAAAAAAA/AAAAAAAAAKCGAQAAAAAAAAAAAAAAAAAMAAAAAQAAAAAAAAAAAAAAAAAAAB8AAABUAAAAAAAABQAAAAEAAAAAAAAAAAAAAAAAAAAAAAAAAAAAAAAAAAAAAAAAAAAAAAJ/f38AAAAAA8zMzADAwP8Af39/AAAAAAAAAAAAAAAAAAAAAAAAAAAAIQAAABgAAAAUAAAA+DQAABonAADYRQAAWSkAABAAAAAmAAAACAAAAAAAAAAAAAAAMAAAABQAAAAAAAAAAAD//wAAAQAAAP//AAABAA=="/>
+                <pr:smNativeData xmlns="smNativeData" xmlns:pr="smNativeData" xmlns:p15="http://schemas.microsoft.com/office/powerpoint/2012/main" xmlns:p14="http://schemas.microsoft.com/office/powerpoint/2010/main" xmlns:mc="http://schemas.openxmlformats.org/markup-compatibility/2006" val="SMDATA_16_xzE7ZxMAAAAlAAAAZAAAAA0AAAAAkAAAAEgAAACQAAAASAAAAAAAAAABAAAAAAAAAAEAAABQAAAAAAAAAAAA4D8AAAAAAADgPwAAAAAAAOA/AAAAAAAA4D8AAAAAAADgPwAAAAAAAOA/AAAAAAAA4D8AAAAAAADgPwAAAAAAAOA/AAAAAAAA4D8CAAAAjAAAAAAAAAAAAAAARHLEDP///wgAAAAAAAAAAAAAAAAAAAAAAAAAAAAAAAAAAAAAZAAAAAEAAABAAAAAAAAAAAAAAAAAAAAAAAAAAAAAAAAAAAAAAAAAAAAAAAAAAAAAAAAAAAAAAAAAAAAAAAAAAAAAAAAAAAAAAAAAAAAAAAAAAAAAAAAAAAAAAAAAAAAAFAAAADwAAAAAAAAAAAAAAAAAAAkUAAAAAQAAABQAAAAUAAAAFAAAAAEAAAAAAAAAZAAAAGQAAAAAAAAAZAAAAGQAAAAVAAAAYAAAAAAAAAAAAAAADwAAACADAAAAAAAAAAAAAAEAAACgMgAAVgcAAKr4//8BAAAAf39/AAEAAABkAAAAAAAAABQAAABAHwAAAAAAACYAAAAAAAAAwOD//wAAAAAmAAAAZAAAABYAAABMAAAAAAAAAAAAAAAEAAAAAAAAAAEAAADn5uYKAAAAACgAAAAoAAAAZAAAAGQAAAAAAAAAzMzMAAAAAABQAAAAUAAAAGQAAABkAAAAAAAAABcAAAAUAAAAAAAAAAAAAAD/fwAA/38AAAAAAAAJAAAABAAAAAAAAAAeAAAAaAAAAAAAAAAAAAAAAAAAAAAAAAAAAAAAECcAABAnAAAAAAAAAAAAAAAAAAAAAAAAAAAAAAAAAAAAAAAAAAAAABQAAAAAAAAAwMD/AAAAAABkAAAAMgAAAAAAAABkAAAAAAAAAH9/fwAKAAAAIgAAABgAAAAAAAAAAAAAAAAAAAAAAAAAAAAAAAAAAAAkAAAAJAAAAAAAAAAHAAAAAAAAAAAAAAAAAAAAAAAAAAAAAAAAAAAAf39/ACUAAABYAAAAAAAAAAAAAAAAAAAAAAAAAAAAAAAAAAAAAAAAAAAAAAAAAAAAAAAAAAAAAAA/AAAAAAAAAKCGAQAAAAAAAAAAAAAAAAAMAAAAAQAAAAAAAAAAAAAAAAAAAB8AAABUAAAAAAAABQAAAAEAAAAAAAAAAAAAAAAAAAAAAAAAAAAAAAAAAAAAAAAAAAAAAAJ/f38AAAAAA8zMzADAwP8Af39/AAAAAAAAAAAAAAAAAAAAAAAAAAAAIQAAABgAAAAUAAAA+DQAABonAADYRQAAWSkAABAAAAAmAAAACAAAAAAAAAAAAAAAMAAAABQAAAAAAAAAAAD//wAAAQAAAP//AAABAA=="/>
               </a:ext>
             </a:extLst>
           </p:cNvSpPr>
@@ -2823,7 +2823,7 @@
             <a:spLocks noGrp="1" noChangeArrowheads="1"/>
             <a:extLst>
               <a:ext uri="smNativeData">
-                <pr:smNativeData xmlns:mc="http://schemas.openxmlformats.org/markup-compatibility/2006" xmlns:p14="http://schemas.microsoft.com/office/powerpoint/2010/main" xmlns:p15="http://schemas.microsoft.com/office/powerpoint/2012/main" xmlns:pr="smNativeData" xmlns="smNativeData" val="SMDATA_16_xzE7ZxMAAAAlAAAAZAAAAA0AAAAAkAAAAEgAAACQAAAASAAAAAAAAAABAAAAAAAAAAEAAABQAAAAAAAAAAAA4D8AAAAAAADgPwAAAAAAAOA/AAAAAAAA4D8AAAAAAADgPwAAAAAAAOA/AAAAAAAA4D8AAAAAAADgPwAAAAAAAOA/AAAAAAAA4D8CAAAAjAAAAAAAAAAAAAAARHLEDP///wgAAAAAAAAAAAAAAAAAAAAAAAAAAAAAAAAAAAAAZAAAAAEAAABAAAAAAAAAAAAAAAAAAAAAAAAAAAAAAAAAAAAAAAAAAAAAAAAAAAAAAAAAAAAAAAAAAAAAAAAAAAAAAAAAAAAAAAAAAAAAAAAAAAAAAAAAAAAAAAAAAAAAFAAAADwAAAAAAAAAAAAAAAAAAAkUAAAAAQAAABQAAAAUAAAAFAAAAAEAAAAAAAAAZAAAAGQAAAAAAAAAZAAAAGQAAAAVAAAAYAAAAAAAAAAAAAAADwAAACADAAAAAAAAAAAAAAEAAACgMgAAVgcAAKr4//8BAAAAf39/AAEAAABkAAAAAAAAABQAAABAHwAAAAAAACYAAAAAAAAAwOD//wAAAAAmAAAAZAAAABYAAABMAAAAAAAAAAAAAAAEAAAAAAAAAAEAAADn5uYKAAAAACgAAAAoAAAAZAAAAGQAAAAAAAAAzMzMAAAAAABQAAAAUAAAAGQAAABkAAAAAAAAABcAAAAUAAAAAAAAAAAAAAD/fwAA/38AAAAAAAAJAAAABAAAAAAAAAAeAAAAaAAAAAAAAAAAAAAAAAAAAAAAAAAAAAAAECcAABAnAAAAAAAAAAAAAAAAAAAAAAAAAAAAAAAAAAAAAAAAAAAAABQAAAAAAAAAwMD/AAAAAABkAAAAMgAAAAAAAABkAAAAAAAAAH9/fwAKAAAAIgAAABgAAAAAAAAAAAAAAAAAAAAAAAAAAAAAAAAAAAAkAAAAJAAAAAAAAAAHAAAAAAAAAAAAAAAAAAAAAAAAAAAAAAAAAAAAf39/ACUAAABYAAAAAAAAAAAAAAAAAAAAAAAAAAAAAAAAAAAAAAAAAAAAAAAAAAAAAAAAAAAAAAA/AAAAAAAAAKCGAQAAAAAAAAAAAAAAAAAMAAAAAQAAAAAAAAAAAAAAAAAAAB8AAABUAAAAAAAABQAAAAEAAAAAAAAAAAAAAAAAAAAAAAAAAAAAAAAAAAAAAAAAAAAAAAJ/f38AAAAAA8zMzADAwP8Af39/AAAAAAAAAAAAAAAAAAAAAAAAAAAAIQAAABgAAAAUAAAAKwUAAD8CAADbRQAAZwoAABAAAAAmAAAACAAAAAEAAAAAAAAAMAAAABQAAAAAAAAAAAD//wAAAQAAAP//AAABAA=="/>
+                <pr:smNativeData xmlns="smNativeData" xmlns:pr="smNativeData" xmlns:p15="http://schemas.microsoft.com/office/powerpoint/2012/main" xmlns:p14="http://schemas.microsoft.com/office/powerpoint/2010/main" xmlns:mc="http://schemas.openxmlformats.org/markup-compatibility/2006" val="SMDATA_16_xzE7ZxMAAAAlAAAAZAAAAA0AAAAAkAAAAEgAAACQAAAASAAAAAAAAAABAAAAAAAAAAEAAABQAAAAAAAAAAAA4D8AAAAAAADgPwAAAAAAAOA/AAAAAAAA4D8AAAAAAADgPwAAAAAAAOA/AAAAAAAA4D8AAAAAAADgPwAAAAAAAOA/AAAAAAAA4D8CAAAAjAAAAAAAAAAAAAAARHLEDP///wgAAAAAAAAAAAAAAAAAAAAAAAAAAAAAAAAAAAAAZAAAAAEAAABAAAAAAAAAAAAAAAAAAAAAAAAAAAAAAAAAAAAAAAAAAAAAAAAAAAAAAAAAAAAAAAAAAAAAAAAAAAAAAAAAAAAAAAAAAAAAAAAAAAAAAAAAAAAAAAAAAAAAFAAAADwAAAAAAAAAAAAAAAAAAAkUAAAAAQAAABQAAAAUAAAAFAAAAAEAAAAAAAAAZAAAAGQAAAAAAAAAZAAAAGQAAAAVAAAAYAAAAAAAAAAAAAAADwAAACADAAAAAAAAAAAAAAEAAACgMgAAVgcAAKr4//8BAAAAf39/AAEAAABkAAAAAAAAABQAAABAHwAAAAAAACYAAAAAAAAAwOD//wAAAAAmAAAAZAAAABYAAABMAAAAAAAAAAAAAAAEAAAAAAAAAAEAAADn5uYKAAAAACgAAAAoAAAAZAAAAGQAAAAAAAAAzMzMAAAAAABQAAAAUAAAAGQAAABkAAAAAAAAABcAAAAUAAAAAAAAAAAAAAD/fwAA/38AAAAAAAAJAAAABAAAAAAAAAAeAAAAaAAAAAAAAAAAAAAAAAAAAAAAAAAAAAAAECcAABAnAAAAAAAAAAAAAAAAAAAAAAAAAAAAAAAAAAAAAAAAAAAAABQAAAAAAAAAwMD/AAAAAABkAAAAMgAAAAAAAABkAAAAAAAAAH9/fwAKAAAAIgAAABgAAAAAAAAAAAAAAAAAAAAAAAAAAAAAAAAAAAAkAAAAJAAAAAAAAAAHAAAAAAAAAAAAAAAAAAAAAAAAAAAAAAAAAAAAf39/ACUAAABYAAAAAAAAAAAAAAAAAAAAAAAAAAAAAAAAAAAAAAAAAAAAAAAAAAAAAAAAAAAAAAA/AAAAAAAAAKCGAQAAAAAAAAAAAAAAAAAMAAAAAQAAAAAAAAAAAAAAAAAAAB8AAABUAAAAAAAABQAAAAEAAAAAAAAAAAAAAAAAAAAAAAAAAAAAAAAAAAAAAAAAAAAAAAJ/f38AAAAAA8zMzADAwP8Af39/AAAAAAAAAAAAAAAAAAAAAAAAAAAAIQAAABgAAAAUAAAAKwUAAD8CAADbRQAAZwoAABAAAAAmAAAACAAAAAEAAAAAAAAAMAAAABQAAAAAAAAAAAD//wAAAQAAAP//AAABAA=="/>
               </a:ext>
             </a:extLst>
           </p:cNvSpPr>
@@ -2857,7 +2857,7 @@
             <a:spLocks noGrp="1" noChangeArrowheads="1"/>
             <a:extLst>
               <a:ext uri="smNativeData">
-                <pr:smNativeData xmlns:mc="http://schemas.openxmlformats.org/markup-compatibility/2006" xmlns:p14="http://schemas.microsoft.com/office/powerpoint/2010/main" xmlns:p15="http://schemas.microsoft.com/office/powerpoint/2012/main" xmlns:pr="smNativeData" xmlns="smNativeData" val="SMDATA_16_xzE7ZxMAAAAlAAAAZAAAAA0AAAAAkAAAAEgAAACQAAAASAAAAAAAAAACAAAAAAAAAAEAAABQAAAAAAAAAAAA4D8AAAAAAADgPwAAAAAAAOA/AAAAAAAA4D8AAAAAAADgPwAAAAAAAOA/AAAAAAAA4D8AAAAAAADgPwAAAAAAAOA/AAAAAAAA4D8CAAAAjAAAAAAAAAAAAAAARHLEDP///wgAAAAAAAAAAAAAAAAAAAAAAAAAAAAAAAAAAAAAZAAAAAEAAABAAAAAAAAAAAAAAAAAAAAAAAAAAAAAAAAAAAAAAAAAAAAAAAAAAAAAAAAAAAAAAAAAAAAAAAAAAAAAAAAAAAAAAAAAAAAAAAAAAAAAAAAAAAAAAAAAAAAAFAAAADwAAAAAAAAAAAAAAAAAAAkUAAAAAQAAABQAAAAUAAAAFAAAAAEAAAAAAAAAZAAAAGQAAAAAAAAAZAAAAGQAAAAVAAAAYAAAAAAAAAAAAAAADwAAACADAAAAAAAAAAAAAAEAAACgMgAAVgcAAKr4//8BAAAAf39/AAEAAABkAAAAAAAAABQAAABAHwAAAAAAACYAAAAAAAAAwOD//wAAAAAmAAAAZAAAABYAAABMAAAAAAAAAAAAAAAEAAAAAAAAAAEAAADn5uYKAAAAACgAAAAoAAAAZAAAAGQAAAAAAAAAzMzMAAAAAABQAAAAUAAAAGQAAABkAAAAAAAAABcAAAAUAAAAAAAAAAAAAAD/fwAA/38AAAAAAAAJAAAABAAAAAAAAAAeAAAAaAAAAAAAAAAAAAAAAAAAAAAAAAAAAAAAECcAABAnAAAAAAAAAAAAAAAAAAAAAAAAAAAAAAAAAAAAAAAAAAAAABQAAAAAAAAAwMD/AAAAAABkAAAAMgAAAAAAAABkAAAAAAAAAH9/fwAKAAAAIgAAABgAAAAAAAAAAAAAAAAAAAAAAAAAAAAAAAAAAAAkAAAAJAAAAAAAAAAHAAAAAAAAAAAAAAAAAAAAAAAAAAAAAAAAAAAAf39/ACUAAABYAAAAAAAAAAAAAAAAAAAAAAAAAAAAAAAAAAAAAAAAAAAAAAAAAAAAAAAAAAAAAAA/AAAAAAAAAKCGAQAAAAAAAAAAAAAAAAAMAAAAAQAAAAAAAAAAAAAAAAAAAB8AAABUAAAAAAAABQAAAAEAAAAAAAAAAAAAAAAAAAAAAAAAAAAAAAAAAAAAAAAAAAAAAAJ/f38AAAAAA8zMzADAwP8Af39/AAAAAAAAAAAAAAAAAAAAAAAAAAAAIQAAABgAAAAUAAAAKwUAAFgKAADlJAAAaQ8AABAAAAAmAAAACAAAAIGAAAAAAAAAMAAAABQAAAAAAAAAAAD//wAAAQAAAP//AAABAA=="/>
+                <pr:smNativeData xmlns="smNativeData" xmlns:pr="smNativeData" xmlns:p15="http://schemas.microsoft.com/office/powerpoint/2012/main" xmlns:p14="http://schemas.microsoft.com/office/powerpoint/2010/main" xmlns:mc="http://schemas.openxmlformats.org/markup-compatibility/2006" val="SMDATA_16_xzE7ZxMAAAAlAAAAZAAAAA0AAAAAkAAAAEgAAACQAAAASAAAAAAAAAACAAAAAAAAAAEAAABQAAAAAAAAAAAA4D8AAAAAAADgPwAAAAAAAOA/AAAAAAAA4D8AAAAAAADgPwAAAAAAAOA/AAAAAAAA4D8AAAAAAADgPwAAAAAAAOA/AAAAAAAA4D8CAAAAjAAAAAAAAAAAAAAARHLEDP///wgAAAAAAAAAAAAAAAAAAAAAAAAAAAAAAAAAAAAAZAAAAAEAAABAAAAAAAAAAAAAAAAAAAAAAAAAAAAAAAAAAAAAAAAAAAAAAAAAAAAAAAAAAAAAAAAAAAAAAAAAAAAAAAAAAAAAAAAAAAAAAAAAAAAAAAAAAAAAAAAAAAAAFAAAADwAAAAAAAAAAAAAAAAAAAkUAAAAAQAAABQAAAAUAAAAFAAAAAEAAAAAAAAAZAAAAGQAAAAAAAAAZAAAAGQAAAAVAAAAYAAAAAAAAAAAAAAADwAAACADAAAAAAAAAAAAAAEAAACgMgAAVgcAAKr4//8BAAAAf39/AAEAAABkAAAAAAAAABQAAABAHwAAAAAAACYAAAAAAAAAwOD//wAAAAAmAAAAZAAAABYAAABMAAAAAAAAAAAAAAAEAAAAAAAAAAEAAADn5uYKAAAAACgAAAAoAAAAZAAAAGQAAAAAAAAAzMzMAAAAAABQAAAAUAAAAGQAAABkAAAAAAAAABcAAAAUAAAAAAAAAAAAAAD/fwAA/38AAAAAAAAJAAAABAAAAAAAAAAeAAAAaAAAAAAAAAAAAAAAAAAAAAAAAAAAAAAAECcAABAnAAAAAAAAAAAAAAAAAAAAAAAAAAAAAAAAAAAAAAAAAAAAABQAAAAAAAAAwMD/AAAAAABkAAAAMgAAAAAAAABkAAAAAAAAAH9/fwAKAAAAIgAAABgAAAAAAAAAAAAAAAAAAAAAAAAAAAAAAAAAAAAkAAAAJAAAAAAAAAAHAAAAAAAAAAAAAAAAAAAAAAAAAAAAAAAAAAAAf39/ACUAAABYAAAAAAAAAAAAAAAAAAAAAAAAAAAAAAAAAAAAAAAAAAAAAAAAAAAAAAAAAAAAAAA/AAAAAAAAAKCGAQAAAAAAAAAAAAAAAAAMAAAAAQAAAAAAAAAAAAAAAAAAAB8AAABUAAAAAAAABQAAAAEAAAAAAAAAAAAAAAAAAAAAAAAAAAAAAAAAAAAAAAAAAAAAAAJ/f38AAAAAA8zMzADAwP8Af39/AAAAAAAAAAAAAAAAAAAAAAAAAAAAIQAAABgAAAAUAAAAKwUAAFgKAADlJAAAaQ8AABAAAAAmAAAACAAAAIGAAAAAAAAAMAAAABQAAAAAAAAAAAD//wAAAQAAAP//AAABAA=="/>
               </a:ext>
             </a:extLst>
           </p:cNvSpPr>
@@ -2932,7 +2932,7 @@
             <a:spLocks noGrp="1" noChangeArrowheads="1"/>
             <a:extLst>
               <a:ext uri="smNativeData">
-                <pr:smNativeData xmlns:mc="http://schemas.openxmlformats.org/markup-compatibility/2006" xmlns:p14="http://schemas.microsoft.com/office/powerpoint/2010/main" xmlns:p15="http://schemas.microsoft.com/office/powerpoint/2012/main" xmlns:pr="smNativeData" xmlns="smNativeData" val="SMDATA_16_xzE7ZxMAAAAlAAAAZAAAAA0AAAAAkAAAAEgAAACQAAAASAAAAAAAAAAAAAAAAAAAAAEAAABQAAAAAAAAAAAA4D8AAAAAAADgPwAAAAAAAOA/AAAAAAAA4D8AAAAAAADgPwAAAAAAAOA/AAAAAAAA4D8AAAAAAADgPwAAAAAAAOA/AAAAAAAA4D8CAAAAjAAAAAAAAAAAAAAARHLEDP///wgAAAAAAAAAAAAAAAAAAAAAAAAAAAAAAAAAAAAAZAAAAAEAAABAAAAAAAAAAAAAAAAAAAAAAAAAAAAAAAAAAAAAAAAAAAAAAAAAAAAAAAAAAAAAAAAAAAAAAAAAAAAAAAAAAAAAAAAAAAAAAAAAAAAAAAAAAAAAAAAAAAAAFAAAADwAAAAAAAAAAAAAAAAAAAkUAAAAAQAAABQAAAAUAAAAFAAAAAEAAAAAAAAAZAAAAGQAAAAAAAAAZAAAAGQAAAAVAAAAYAAAAAAAAAAAAAAADwAAACADAAAAAAAAAAAAAAEAAACgMgAAVgcAAKr4//8BAAAAf39/AAEAAABkAAAAAAAAABQAAABAHwAAAAAAACYAAAAAAAAAwOD//wAAAAAmAAAAZAAAABYAAABMAAAAAAAAAAAAAAAEAAAAAAAAAAEAAADn5uYKAAAAACgAAAAoAAAAZAAAAGQAAAAAAAAAzMzMAAAAAABQAAAAUAAAAGQAAABkAAAAAAAAABcAAAAUAAAAAAAAAAAAAAD/fwAA/38AAAAAAAAJAAAABAAAAAAAAAAeAAAAaAAAAAAAAAAAAAAAAAAAAAAAAAAAAAAAECcAABAnAAAAAAAAAAAAAAAAAAAAAAAAAAAAAAAAAAAAAAAAAAAAABQAAAAAAAAAwMD/AAAAAABkAAAAMgAAAAAAAABkAAAAAAAAAH9/fwAKAAAAIgAAABgAAAAAAAAAAAAAAAAAAAAAAAAAAAAAAAAAAAAkAAAAJAAAAAAAAAAHAAAAAAAAAAAAAAAAAAAAAAAAAAAAAAAAAAAAf39/ACUAAABYAAAAAAAAAAAAAAAAAAAAAAAAAAAAAAAAAAAAAAAAAAAAAAAAAAAAAAAAAAAAAAA/AAAAAAAAAKCGAQAAAAAAAAAAAAAAAAAMAAAAAQAAAAAAAAAAAAAAAAAAAB8AAABUAAAAAAAABQAAAAEAAAAAAAAAAAAAAAAAAAAAAAAAAAAAAAAAAAAAAAAAAAAAAAJ/f38AAAAAA8zMzADAwP8Af39/AAAAAAAAAAAAAAAAAAAAAAAAAAAAIQAAABgAAAAUAAAAKwUAAGkPAADlJAAAFCYAABAAAAAmAAAACAAAAAEAAAAAAAAAMAAAABQAAAAAAAAAAAD//wAAAQAAAP//AAABAA=="/>
+                <pr:smNativeData xmlns="smNativeData" xmlns:pr="smNativeData" xmlns:p15="http://schemas.microsoft.com/office/powerpoint/2012/main" xmlns:p14="http://schemas.microsoft.com/office/powerpoint/2010/main" xmlns:mc="http://schemas.openxmlformats.org/markup-compatibility/2006" val="SMDATA_16_xzE7ZxMAAAAlAAAAZAAAAA0AAAAAkAAAAEgAAACQAAAASAAAAAAAAAAAAAAAAAAAAAEAAABQAAAAAAAAAAAA4D8AAAAAAADgPwAAAAAAAOA/AAAAAAAA4D8AAAAAAADgPwAAAAAAAOA/AAAAAAAA4D8AAAAAAADgPwAAAAAAAOA/AAAAAAAA4D8CAAAAjAAAAAAAAAAAAAAARHLEDP///wgAAAAAAAAAAAAAAAAAAAAAAAAAAAAAAAAAAAAAZAAAAAEAAABAAAAAAAAAAAAAAAAAAAAAAAAAAAAAAAAAAAAAAAAAAAAAAAAAAAAAAAAAAAAAAAAAAAAAAAAAAAAAAAAAAAAAAAAAAAAAAAAAAAAAAAAAAAAAAAAAAAAAFAAAADwAAAAAAAAAAAAAAAAAAAkUAAAAAQAAABQAAAAUAAAAFAAAAAEAAAAAAAAAZAAAAGQAAAAAAAAAZAAAAGQAAAAVAAAAYAAAAAAAAAAAAAAADwAAACADAAAAAAAAAAAAAAEAAACgMgAAVgcAAKr4//8BAAAAf39/AAEAAABkAAAAAAAAABQAAABAHwAAAAAAACYAAAAAAAAAwOD//wAAAAAmAAAAZAAAABYAAABMAAAAAAAAAAAAAAAEAAAAAAAAAAEAAADn5uYKAAAAACgAAAAoAAAAZAAAAGQAAAAAAAAAzMzMAAAAAABQAAAAUAAAAGQAAABkAAAAAAAAABcAAAAUAAAAAAAAAAAAAAD/fwAA/38AAAAAAAAJAAAABAAAAAAAAAAeAAAAaAAAAAAAAAAAAAAAAAAAAAAAAAAAAAAAECcAABAnAAAAAAAAAAAAAAAAAAAAAAAAAAAAAAAAAAAAAAAAAAAAABQAAAAAAAAAwMD/AAAAAABkAAAAMgAAAAAAAABkAAAAAAAAAH9/fwAKAAAAIgAAABgAAAAAAAAAAAAAAAAAAAAAAAAAAAAAAAAAAAAkAAAAJAAAAAAAAAAHAAAAAAAAAAAAAAAAAAAAAAAAAAAAAAAAAAAAf39/ACUAAABYAAAAAAAAAAAAAAAAAAAAAAAAAAAAAAAAAAAAAAAAAAAAAAAAAAAAAAAAAAAAAAA/AAAAAAAAAKCGAQAAAAAAAAAAAAAAAAAMAAAAAQAAAAAAAAAAAAAAAAAAAB8AAABUAAAAAAAABQAAAAEAAAAAAAAAAAAAAAAAAAAAAAAAAAAAAAAAAAAAAAAAAAAAAAJ/f38AAAAAA8zMzADAwP8Af39/AAAAAAAAAAAAAAAAAAAAAAAAAAAAIQAAABgAAAAUAAAAKwUAAGkPAADlJAAAFCYAABAAAAAmAAAACAAAAAEAAAAAAAAAMAAAABQAAAAAAAAAAAD//wAAAQAAAP//AAABAA=="/>
               </a:ext>
             </a:extLst>
           </p:cNvSpPr>
@@ -2998,7 +2998,7 @@
             <a:spLocks noGrp="1" noChangeArrowheads="1"/>
             <a:extLst>
               <a:ext uri="smNativeData">
-                <pr:smNativeData xmlns:mc="http://schemas.openxmlformats.org/markup-compatibility/2006" xmlns:p14="http://schemas.microsoft.com/office/powerpoint/2010/main" xmlns:p15="http://schemas.microsoft.com/office/powerpoint/2012/main" xmlns:pr="smNativeData" xmlns="smNativeData" val="SMDATA_16_xzE7ZxMAAAAlAAAAZAAAAA0AAAAAkAAAAEgAAACQAAAASAAAAAAAAAACAAAAAAAAAAEAAABQAAAAAAAAAAAA4D8AAAAAAADgPwAAAAAAAOA/AAAAAAAA4D8AAAAAAADgPwAAAAAAAOA/AAAAAAAA4D8AAAAAAADgPwAAAAAAAOA/AAAAAAAA4D8CAAAAjAAAAAAAAAAAAAAARHLEDP///wgAAAAAAAAAAAAAAAAAAAAAAAAAAAAAAAAAAAAAZAAAAAEAAABAAAAAAAAAAAAAAAAAAAAAAAAAAAAAAAAAAAAAAAAAAAAAAAAAAAAAAAAAAAAAAAAAAAAAAAAAAAAAAAAAAAAAAAAAAAAAAAAAAAAAAAAAAAAAAAAAAAAAFAAAADwAAAAAAAAAAAAAAAAAAAkUAAAAAQAAABQAAAAUAAAAFAAAAAEAAAAAAAAAZAAAAGQAAAAAAAAAZAAAAGQAAAAVAAAAYAAAAAAAAAAAAAAADwAAACADAAAAAAAAAAAAAAEAAACgMgAAVgcAAKr4//8BAAAAf39/AAEAAABkAAAAAAAAABQAAABAHwAAAAAAACYAAAAAAAAAwOD//wAAAAAmAAAAZAAAABYAAABMAAAAAAAAAAAAAAAEAAAAAAAAAAEAAADn5uYKAAAAACgAAAAoAAAAZAAAAGQAAAAAAAAAzMzMAAAAAABQAAAAUAAAAGQAAABkAAAAAAAAABcAAAAUAAAAAAAAAAAAAAD/fwAA/38AAAAAAAAJAAAABAAAAAAAAAAeAAAAaAAAAAAAAAAAAAAAAAAAAAAAAAAAAAAAECcAABAnAAAAAAAAAAAAAAAAAAAAAAAAAAAAAAAAAAAAAAAAAAAAABQAAAAAAAAAwMD/AAAAAABkAAAAMgAAAAAAAABkAAAAAAAAAH9/fwAKAAAAIgAAABgAAAAAAAAAAAAAAAAAAAAAAAAAAAAAAAAAAAAkAAAAJAAAAAAAAAAHAAAAAAAAAAAAAAAAAAAAAAAAAAAAAAAAAAAAf39/ACUAAABYAAAAAAAAAAAAAAAAAAAAAAAAAAAAAAAAAAAAAAAAAAAAAAAAAAAAAAAAAAAAAAA/AAAAAAAAAKCGAQAAAAAAAAAAAAAAAAAMAAAAAQAAAAAAAAAAAAAAAAAAAB8AAABUAAAAAAAABQAAAAEAAAAAAAAAAAAAAAAAAAAAAAAAAAAAAAAAAAAAAAAAAAAAAAJ/f38AAAAAA8zMzADAwP8Af39/AAAAAAAAAAAAAAAAAAAAAAAAAAAAIQAAABgAAAAUAAAA+CUAAFgKAADbRQAAaQ8AABAAAAAmAAAACAAAAIGAAAAAAAAAMAAAABQAAAAAAAAAAAD//wAAAQAAAP//AAABAA=="/>
+                <pr:smNativeData xmlns="smNativeData" xmlns:pr="smNativeData" xmlns:p15="http://schemas.microsoft.com/office/powerpoint/2012/main" xmlns:p14="http://schemas.microsoft.com/office/powerpoint/2010/main" xmlns:mc="http://schemas.openxmlformats.org/markup-compatibility/2006" val="SMDATA_16_xzE7ZxMAAAAlAAAAZAAAAA0AAAAAkAAAAEgAAACQAAAASAAAAAAAAAACAAAAAAAAAAEAAABQAAAAAAAAAAAA4D8AAAAAAADgPwAAAAAAAOA/AAAAAAAA4D8AAAAAAADgPwAAAAAAAOA/AAAAAAAA4D8AAAAAAADgPwAAAAAAAOA/AAAAAAAA4D8CAAAAjAAAAAAAAAAAAAAARHLEDP///wgAAAAAAAAAAAAAAAAAAAAAAAAAAAAAAAAAAAAAZAAAAAEAAABAAAAAAAAAAAAAAAAAAAAAAAAAAAAAAAAAAAAAAAAAAAAAAAAAAAAAAAAAAAAAAAAAAAAAAAAAAAAAAAAAAAAAAAAAAAAAAAAAAAAAAAAAAAAAAAAAAAAAFAAAADwAAAAAAAAAAAAAAAAAAAkUAAAAAQAAABQAAAAUAAAAFAAAAAEAAAAAAAAAZAAAAGQAAAAAAAAAZAAAAGQAAAAVAAAAYAAAAAAAAAAAAAAADwAAACADAAAAAAAAAAAAAAEAAACgMgAAVgcAAKr4//8BAAAAf39/AAEAAABkAAAAAAAAABQAAABAHwAAAAAAACYAAAAAAAAAwOD//wAAAAAmAAAAZAAAABYAAABMAAAAAAAAAAAAAAAEAAAAAAAAAAEAAADn5uYKAAAAACgAAAAoAAAAZAAAAGQAAAAAAAAAzMzMAAAAAABQAAAAUAAAAGQAAABkAAAAAAAAABcAAAAUAAAAAAAAAAAAAAD/fwAA/38AAAAAAAAJAAAABAAAAAAAAAAeAAAAaAAAAAAAAAAAAAAAAAAAAAAAAAAAAAAAECcAABAnAAAAAAAAAAAAAAAAAAAAAAAAAAAAAAAAAAAAAAAAAAAAABQAAAAAAAAAwMD/AAAAAABkAAAAMgAAAAAAAABkAAAAAAAAAH9/fwAKAAAAIgAAABgAAAAAAAAAAAAAAAAAAAAAAAAAAAAAAAAAAAAkAAAAJAAAAAAAAAAHAAAAAAAAAAAAAAAAAAAAAAAAAAAAAAAAAAAAf39/ACUAAABYAAAAAAAAAAAAAAAAAAAAAAAAAAAAAAAAAAAAAAAAAAAAAAAAAAAAAAAAAAAAAAA/AAAAAAAAAKCGAQAAAAAAAAAAAAAAAAAMAAAAAQAAAAAAAAAAAAAAAAAAAB8AAABUAAAAAAAABQAAAAEAAAAAAAAAAAAAAAAAAAAAAAAAAAAAAAAAAAAAAAAAAAAAAAJ/f38AAAAAA8zMzADAwP8Af39/AAAAAAAAAAAAAAAAAAAAAAAAAAAAIQAAABgAAAAUAAAA+CUAAFgKAADbRQAAaQ8AABAAAAAmAAAACAAAAIGAAAAAAAAAMAAAABQAAAAAAAAAAAD//wAAAQAAAP//AAABAA=="/>
               </a:ext>
             </a:extLst>
           </p:cNvSpPr>
@@ -3073,7 +3073,7 @@
             <a:spLocks noGrp="1" noChangeArrowheads="1"/>
             <a:extLst>
               <a:ext uri="smNativeData">
-                <pr:smNativeData xmlns:mc="http://schemas.openxmlformats.org/markup-compatibility/2006" xmlns:p14="http://schemas.microsoft.com/office/powerpoint/2010/main" xmlns:p15="http://schemas.microsoft.com/office/powerpoint/2012/main" xmlns:pr="smNativeData" xmlns="smNativeData" val="SMDATA_16_xzE7ZxMAAAAlAAAAZAAAAA0AAAAAkAAAAEgAAACQAAAASAAAAAAAAAAAAAAAAAAAAAEAAABQAAAAAAAAAAAA4D8AAAAAAADgPwAAAAAAAOA/AAAAAAAA4D8AAAAAAADgPwAAAAAAAOA/AAAAAAAA4D8AAAAAAADgPwAAAAAAAOA/AAAAAAAA4D8CAAAAjAAAAAAAAAAAAAAARHLEDP///wgAAAAAAAAAAAAAAAAAAAAAAAAAAAAAAAAAAAAAZAAAAAEAAABAAAAAAAAAAAAAAAAAAAAAAAAAAAAAAAAAAAAAAAAAAAAAAAAAAAAAAAAAAAAAAAAAAAAAAAAAAAAAAAAAAAAAAAAAAAAAAAAAAAAAAAAAAAAAAAAAAAAAFAAAADwAAAAAAAAAAAAAAAAAAAkUAAAAAQAAABQAAAAUAAAAFAAAAAEAAAAAAAAAZAAAAGQAAAAAAAAAZAAAAGQAAAAVAAAAYAAAAAAAAAAAAAAADwAAACADAAAAAAAAAAAAAAEAAACgMgAAVgcAAKr4//8BAAAAf39/AAEAAABkAAAAAAAAABQAAABAHwAAAAAAACYAAAAAAAAAwOD//wAAAAAmAAAAZAAAABYAAABMAAAAAAAAAAAAAAAEAAAAAAAAAAEAAADn5uYKAAAAACgAAAAoAAAAZAAAAGQAAAAAAAAAzMzMAAAAAABQAAAAUAAAAGQAAABkAAAAAAAAABcAAAAUAAAAAAAAAAAAAAD/fwAA/38AAAAAAAAJAAAABAAAAAAAAAAeAAAAaAAAAAAAAAAAAAAAAAAAAAAAAAAAAAAAECcAABAnAAAAAAAAAAAAAAAAAAAAAAAAAAAAAAAAAAAAAAAAAAAAABQAAAAAAAAAwMD/AAAAAABkAAAAMgAAAAAAAABkAAAAAAAAAH9/fwAKAAAAIgAAABgAAAAAAAAAAAAAAAAAAAAAAAAAAAAAAAAAAAAkAAAAJAAAAAAAAAAHAAAAAAAAAAAAAAAAAAAAAAAAAAAAAAAAAAAAf39/ACUAAABYAAAAAAAAAAAAAAAAAAAAAAAAAAAAAAAAAAAAAAAAAAAAAAAAAAAAAAAAAAAAAAA/AAAAAAAAAKCGAQAAAAAAAAAAAAAAAAAMAAAAAQAAAAAAAAAAAAAAAAAAAB8AAABUAAAAAAAABQAAAAEAAAAAAAAAAAAAAAAAAAAAAAAAAAAAAAAAAAAAAAAAAAAAAAJ/f38AAAAAA8zMzADAwP8Af39/AAAAAAAAAAAAAAAAAAAAAAAAAAAAIQAAABgAAAAUAAAA+CUAAGkPAADbRQAAFCYAABAAAAAmAAAACAAAAAEAAAAAAAAAMAAAABQAAAAAAAAAAAD//wAAAQAAAP//AAABAA=="/>
+                <pr:smNativeData xmlns="smNativeData" xmlns:pr="smNativeData" xmlns:p15="http://schemas.microsoft.com/office/powerpoint/2012/main" xmlns:p14="http://schemas.microsoft.com/office/powerpoint/2010/main" xmlns:mc="http://schemas.openxmlformats.org/markup-compatibility/2006" val="SMDATA_16_xzE7ZxMAAAAlAAAAZAAAAA0AAAAAkAAAAEgAAACQAAAASAAAAAAAAAAAAAAAAAAAAAEAAABQAAAAAAAAAAAA4D8AAAAAAADgPwAAAAAAAOA/AAAAAAAA4D8AAAAAAADgPwAAAAAAAOA/AAAAAAAA4D8AAAAAAADgPwAAAAAAAOA/AAAAAAAA4D8CAAAAjAAAAAAAAAAAAAAARHLEDP///wgAAAAAAAAAAAAAAAAAAAAAAAAAAAAAAAAAAAAAZAAAAAEAAABAAAAAAAAAAAAAAAAAAAAAAAAAAAAAAAAAAAAAAAAAAAAAAAAAAAAAAAAAAAAAAAAAAAAAAAAAAAAAAAAAAAAAAAAAAAAAAAAAAAAAAAAAAAAAAAAAAAAAFAAAADwAAAAAAAAAAAAAAAAAAAkUAAAAAQAAABQAAAAUAAAAFAAAAAEAAAAAAAAAZAAAAGQAAAAAAAAAZAAAAGQAAAAVAAAAYAAAAAAAAAAAAAAADwAAACADAAAAAAAAAAAAAAEAAACgMgAAVgcAAKr4//8BAAAAf39/AAEAAABkAAAAAAAAABQAAABAHwAAAAAAACYAAAAAAAAAwOD//wAAAAAmAAAAZAAAABYAAABMAAAAAAAAAAAAAAAEAAAAAAAAAAEAAADn5uYKAAAAACgAAAAoAAAAZAAAAGQAAAAAAAAAzMzMAAAAAABQAAAAUAAAAGQAAABkAAAAAAAAABcAAAAUAAAAAAAAAAAAAAD/fwAA/38AAAAAAAAJAAAABAAAAAAAAAAeAAAAaAAAAAAAAAAAAAAAAAAAAAAAAAAAAAAAECcAABAnAAAAAAAAAAAAAAAAAAAAAAAAAAAAAAAAAAAAAAAAAAAAABQAAAAAAAAAwMD/AAAAAABkAAAAMgAAAAAAAABkAAAAAAAAAH9/fwAKAAAAIgAAABgAAAAAAAAAAAAAAAAAAAAAAAAAAAAAAAAAAAAkAAAAJAAAAAAAAAAHAAAAAAAAAAAAAAAAAAAAAAAAAAAAAAAAAAAAf39/ACUAAABYAAAAAAAAAAAAAAAAAAAAAAAAAAAAAAAAAAAAAAAAAAAAAAAAAAAAAAAAAAAAAAA/AAAAAAAAAKCGAQAAAAAAAAAAAAAAAAAMAAAAAQAAAAAAAAAAAAAAAAAAAB8AAABUAAAAAAAABQAAAAEAAAAAAAAAAAAAAAAAAAAAAAAAAAAAAAAAAAAAAAAAAAAAAAJ/f38AAAAAA8zMzADAwP8Af39/AAAAAAAAAAAAAAAAAAAAAAAAAAAAIQAAABgAAAAUAAAA+CUAAGkPAADbRQAAFCYAABAAAAAmAAAACAAAAAEAAAAAAAAAMAAAABQAAAAAAAAAAAD//wAAAQAAAP//AAABAA=="/>
               </a:ext>
             </a:extLst>
           </p:cNvSpPr>
@@ -3139,7 +3139,7 @@
             <a:spLocks noGrp="1" noChangeArrowheads="1"/>
             <a:extLst>
               <a:ext uri="smNativeData">
-                <pr:smNativeData xmlns:mc="http://schemas.openxmlformats.org/markup-compatibility/2006" xmlns:p14="http://schemas.microsoft.com/office/powerpoint/2010/main" xmlns:p15="http://schemas.microsoft.com/office/powerpoint/2012/main" xmlns:pr="smNativeData" xmlns="smNativeData" val="SMDATA_16_xzE7ZxMAAAAlAAAAZAAAAA0AAAAAkAAAAEgAAACQAAAASAAAAAAAAAABAAAAAAAAAAEAAABQAAAAAAAAAAAA4D8AAAAAAADgPwAAAAAAAOA/AAAAAAAA4D8AAAAAAADgPwAAAAAAAOA/AAAAAAAA4D8AAAAAAADgPwAAAAAAAOA/AAAAAAAA4D8CAAAAjAAAAAAAAAAAAAAARHLEDP///wgAAAAAAAAAAAAAAAAAAAAAAAAAAAAAAAAAAAAAZAAAAAEAAABAAAAAAAAAAAAAAAAAAAAAAAAAAAAAAAAAAAAAAAAAAAAAAAAAAAAAAAAAAAAAAAAAAAAAAAAAAAAAAAAAAAAAAAAAAAAAAAAAAAAAAAAAAAAAAAAAAAAAFAAAADwAAAAAAAAAAAAAAAAAAAkUAAAAAQAAABQAAAAUAAAAFAAAAAEAAAAAAAAAZAAAAGQAAAAAAAAAZAAAAGQAAAAVAAAAYAAAAAAAAAAAAAAADwAAACADAAAAAAAAAAAAAAEAAACgMgAAVgcAAKr4//8BAAAAf39/AAEAAABkAAAAAAAAABQAAABAHwAAAAAAACYAAAAAAAAAwOD//wAAAAAmAAAAZAAAABYAAABMAAAAAAAAAAAAAAAEAAAAAAAAAAEAAADn5uYKAAAAACgAAAAoAAAAZAAAAGQAAAAAAAAAzMzMAAAAAABQAAAAUAAAAGQAAABkAAAAAAAAABcAAAAUAAAAAAAAAAAAAAD/fwAA/38AAAAAAAAJAAAABAAAAAAAAAAeAAAAaAAAAAAAAAAAAAAAAAAAAAAAAAAAAAAAECcAABAnAAAAAAAAAAAAAAAAAAAAAAAAAAAAAAAAAAAAAAAAAAAAABQAAAAAAAAAwMD/AAAAAABkAAAAMgAAAAAAAABkAAAAAAAAAH9/fwAKAAAAIgAAABgAAAAAAAAAAAAAAAAAAAAAAAAAAAAAAAAAAAAkAAAAJAAAAAAAAAAHAAAAAAAAAAAAAAAAAAAAAAAAAAAAAAAAAAAAf39/ACUAAABYAAAAAAAAAAAAAAAAAAAAAAAAAAAAAAAAAAAAAAAAAAAAAAAAAAAAAAAAAAAAAAA/AAAAAAAAAKCGAQAAAAAAAAAAAAAAAAAMAAAAAQAAAAAAAAAAAAAAAAAAAB8AAABUAAAAAAAABQAAAAEAAAAAAAAAAAAAAAAAAAAAAAAAAAAAAAAAAAAAAAAAAAAAAAJ/f38AAAAAA8zMzADAwP8Af39/AAAAAAAAAAAAAAAAAAAAAAAAAAAAIQAAABgAAAAUAAAAKAUAABonAAAIFgAAWSkAABAAAAAmAAAACAAAAAAAAAAAAAAAMAAAABQAAAAAAAAAAAD//wAAAQAAAP//AAABAA=="/>
+                <pr:smNativeData xmlns="smNativeData" xmlns:pr="smNativeData" xmlns:p15="http://schemas.microsoft.com/office/powerpoint/2012/main" xmlns:p14="http://schemas.microsoft.com/office/powerpoint/2010/main" xmlns:mc="http://schemas.openxmlformats.org/markup-compatibility/2006" val="SMDATA_16_xzE7ZxMAAAAlAAAAZAAAAA0AAAAAkAAAAEgAAACQAAAASAAAAAAAAAABAAAAAAAAAAEAAABQAAAAAAAAAAAA4D8AAAAAAADgPwAAAAAAAOA/AAAAAAAA4D8AAAAAAADgPwAAAAAAAOA/AAAAAAAA4D8AAAAAAADgPwAAAAAAAOA/AAAAAAAA4D8CAAAAjAAAAAAAAAAAAAAARHLEDP///wgAAAAAAAAAAAAAAAAAAAAAAAAAAAAAAAAAAAAAZAAAAAEAAABAAAAAAAAAAAAAAAAAAAAAAAAAAAAAAAAAAAAAAAAAAAAAAAAAAAAAAAAAAAAAAAAAAAAAAAAAAAAAAAAAAAAAAAAAAAAAAAAAAAAAAAAAAAAAAAAAAAAAFAAAADwAAAAAAAAAAAAAAAAAAAkUAAAAAQAAABQAAAAUAAAAFAAAAAEAAAAAAAAAZAAAAGQAAAAAAAAAZAAAAGQAAAAVAAAAYAAAAAAAAAAAAAAADwAAACADAAAAAAAAAAAAAAEAAACgMgAAVgcAAKr4//8BAAAAf39/AAEAAABkAAAAAAAAABQAAABAHwAAAAAAACYAAAAAAAAAwOD//wAAAAAmAAAAZAAAABYAAABMAAAAAAAAAAAAAAAEAAAAAAAAAAEAAADn5uYKAAAAACgAAAAoAAAAZAAAAGQAAAAAAAAAzMzMAAAAAABQAAAAUAAAAGQAAABkAAAAAAAAABcAAAAUAAAAAAAAAAAAAAD/fwAA/38AAAAAAAAJAAAABAAAAAAAAAAeAAAAaAAAAAAAAAAAAAAAAAAAAAAAAAAAAAAAECcAABAnAAAAAAAAAAAAAAAAAAAAAAAAAAAAAAAAAAAAAAAAAAAAABQAAAAAAAAAwMD/AAAAAABkAAAAMgAAAAAAAABkAAAAAAAAAH9/fwAKAAAAIgAAABgAAAAAAAAAAAAAAAAAAAAAAAAAAAAAAAAAAAAkAAAAJAAAAAAAAAAHAAAAAAAAAAAAAAAAAAAAAAAAAAAAAAAAAAAAf39/ACUAAABYAAAAAAAAAAAAAAAAAAAAAAAAAAAAAAAAAAAAAAAAAAAAAAAAAAAAAAAAAAAAAAA/AAAAAAAAAKCGAQAAAAAAAAAAAAAAAAAMAAAAAQAAAAAAAAAAAAAAAAAAAB8AAABUAAAAAAAABQAAAAEAAAAAAAAAAAAAAAAAAAAAAAAAAAAAAAAAAAAAAAAAAAAAAAJ/f38AAAAAA8zMzADAwP8Af39/AAAAAAAAAAAAAAAAAAAAAAAAAAAAIQAAABgAAAAUAAAAKAUAABonAAAIFgAAWSkAABAAAAAmAAAACAAAAAAAAAAAAAAAMAAAABQAAAAAAAAAAAD//wAAAQAAAP//AAABAA=="/>
               </a:ext>
             </a:extLst>
           </p:cNvSpPr>
@@ -3169,7 +3169,7 @@
             <a:spLocks noGrp="1" noChangeArrowheads="1"/>
             <a:extLst>
               <a:ext uri="smNativeData">
-                <pr:smNativeData xmlns:mc="http://schemas.openxmlformats.org/markup-compatibility/2006" xmlns:p14="http://schemas.microsoft.com/office/powerpoint/2010/main" xmlns:p15="http://schemas.microsoft.com/office/powerpoint/2012/main" xmlns:pr="smNativeData" xmlns="smNativeData" val="SMDATA_16_xzE7ZxMAAAAlAAAAZAAAAA0AAAAAkAAAAEgAAACQAAAASAAAAAAAAAABAAAAAAAAAAEAAABQAAAAAAAAAAAA4D8AAAAAAADgPwAAAAAAAOA/AAAAAAAA4D8AAAAAAADgPwAAAAAAAOA/AAAAAAAA4D8AAAAAAADgPwAAAAAAAOA/AAAAAAAA4D8CAAAAjAAAAAAAAAAAAAAARHLEDP///wgAAAAAAAAAAAAAAAAAAAAAAAAAAAAAAAAAAAAAZAAAAAEAAABAAAAAAAAAAAAAAAAAAAAAAAAAAAAAAAAAAAAAAAAAAAAAAAAAAAAAAAAAAAAAAAAAAAAAAAAAAAAAAAAAAAAAAAAAAAAAAAAAAAAAAAAAAAAAAAAAAAAAFAAAADwAAAAAAAAAAAAAAAAAAAkUAAAAAQAAABQAAAAUAAAAFAAAAAEAAAAAAAAAZAAAAGQAAAAAAAAAZAAAAGQAAAAVAAAAYAAAAAAAAAAAAAAADwAAACADAAAAAAAAAAAAAAEAAACgMgAAVgcAAKr4//8BAAAAf39/AAEAAABkAAAAAAAAABQAAABAHwAAAAAAACYAAAAAAAAAwOD//wAAAAAmAAAAZAAAABYAAABMAAAAAAAAAAAAAAAEAAAAAAAAAAEAAADn5uYKAAAAACgAAAAoAAAAZAAAAGQAAAAAAAAAzMzMAAAAAABQAAAAUAAAAGQAAABkAAAAAAAAABcAAAAUAAAAAAAAAAAAAAD/fwAA/38AAAAAAAAJAAAABAAAAAAAAAAeAAAAaAAAAAAAAAAAAAAAAAAAAAAAAAAAAAAAECcAABAnAAAAAAAAAAAAAAAAAAAAAAAAAAAAAAAAAAAAAAAAAAAAABQAAAAAAAAAwMD/AAAAAABkAAAAMgAAAAAAAABkAAAAAAAAAH9/fwAKAAAAIgAAABgAAAAAAAAAAAAAAAAAAAAAAAAAAAAAAAAAAAAkAAAAJAAAAAAAAAAHAAAAAAAAAAAAAAAAAAAAAAAAAAAAAAAAAAAAf39/ACUAAABYAAAAAAAAAAAAAAAAAAAAAAAAAAAAAAAAAAAAAAAAAAAAAAAAAAAAAAAAAAAAAAA/AAAAAAAAAKCGAQAAAAAAAAAAAAAAAAAMAAAAAQAAAAAAAAAAAAAAAAAAAB8AAABUAAAAAAAABQAAAAEAAAAAAAAAAAAAAAAAAAAAAAAAAAAAAAAAAAAAAAAAAAAAAAJ/f38AAAAAA8zMzADAwP8Af39/AAAAAAAAAAAAAAAAAAAAAAAAAAAAIQAAABgAAAAUAAAA2BgAABonAAAoMgAAWSkAABAAAAAmAAAACAAAAAAAAAAAAAAAMAAAABQAAAAAAAAAAAD//wAAAQAAAP//AAABAA=="/>
+                <pr:smNativeData xmlns="smNativeData" xmlns:pr="smNativeData" xmlns:p15="http://schemas.microsoft.com/office/powerpoint/2012/main" xmlns:p14="http://schemas.microsoft.com/office/powerpoint/2010/main" xmlns:mc="http://schemas.openxmlformats.org/markup-compatibility/2006" val="SMDATA_16_xzE7ZxMAAAAlAAAAZAAAAA0AAAAAkAAAAEgAAACQAAAASAAAAAAAAAABAAAAAAAAAAEAAABQAAAAAAAAAAAA4D8AAAAAAADgPwAAAAAAAOA/AAAAAAAA4D8AAAAAAADgPwAAAAAAAOA/AAAAAAAA4D8AAAAAAADgPwAAAAAAAOA/AAAAAAAA4D8CAAAAjAAAAAAAAAAAAAAARHLEDP///wgAAAAAAAAAAAAAAAAAAAAAAAAAAAAAAAAAAAAAZAAAAAEAAABAAAAAAAAAAAAAAAAAAAAAAAAAAAAAAAAAAAAAAAAAAAAAAAAAAAAAAAAAAAAAAAAAAAAAAAAAAAAAAAAAAAAAAAAAAAAAAAAAAAAAAAAAAAAAAAAAAAAAFAAAADwAAAAAAAAAAAAAAAAAAAkUAAAAAQAAABQAAAAUAAAAFAAAAAEAAAAAAAAAZAAAAGQAAAAAAAAAZAAAAGQAAAAVAAAAYAAAAAAAAAAAAAAADwAAACADAAAAAAAAAAAAAAEAAACgMgAAVgcAAKr4//8BAAAAf39/AAEAAABkAAAAAAAAABQAAABAHwAAAAAAACYAAAAAAAAAwOD//wAAAAAmAAAAZAAAABYAAABMAAAAAAAAAAAAAAAEAAAAAAAAAAEAAADn5uYKAAAAACgAAAAoAAAAZAAAAGQAAAAAAAAAzMzMAAAAAABQAAAAUAAAAGQAAABkAAAAAAAAABcAAAAUAAAAAAAAAAAAAAD/fwAA/38AAAAAAAAJAAAABAAAAAAAAAAeAAAAaAAAAAAAAAAAAAAAAAAAAAAAAAAAAAAAECcAABAnAAAAAAAAAAAAAAAAAAAAAAAAAAAAAAAAAAAAAAAAAAAAABQAAAAAAAAAwMD/AAAAAABkAAAAMgAAAAAAAABkAAAAAAAAAH9/fwAKAAAAIgAAABgAAAAAAAAAAAAAAAAAAAAAAAAAAAAAAAAAAAAkAAAAJAAAAAAAAAAHAAAAAAAAAAAAAAAAAAAAAAAAAAAAAAAAAAAAf39/ACUAAABYAAAAAAAAAAAAAAAAAAAAAAAAAAAAAAAAAAAAAAAAAAAAAAAAAAAAAAAAAAAAAAA/AAAAAAAAAKCGAQAAAAAAAAAAAAAAAAAMAAAAAQAAAAAAAAAAAAAAAAAAAB8AAABUAAAAAAAABQAAAAEAAAAAAAAAAAAAAAAAAAAAAAAAAAAAAAAAAAAAAAAAAAAAAAJ/f38AAAAAA8zMzADAwP8Af39/AAAAAAAAAAAAAAAAAAAAAAAAAAAAIQAAABgAAAAUAAAA2BgAABonAAAoMgAAWSkAABAAAAAmAAAACAAAAAAAAAAAAAAAMAAAABQAAAAAAAAAAAD//wAAAQAAAP//AAABAA=="/>
               </a:ext>
             </a:extLst>
           </p:cNvSpPr>
@@ -3196,7 +3196,7 @@
             <a:spLocks noGrp="1" noChangeArrowheads="1"/>
             <a:extLst>
               <a:ext uri="smNativeData">
-                <pr:smNativeData xmlns:mc="http://schemas.openxmlformats.org/markup-compatibility/2006" xmlns:p14="http://schemas.microsoft.com/office/powerpoint/2010/main" xmlns:p15="http://schemas.microsoft.com/office/powerpoint/2012/main" xmlns:pr="smNativeData" xmlns="smNativeData" val="SMDATA_16_xzE7ZxMAAAAlAAAAZAAAAA0AAAAAkAAAAEgAAACQAAAASAAAAAAAAAABAAAAAAAAAAEAAABQAAAAAAAAAAAA4D8AAAAAAADgPwAAAAAAAOA/AAAAAAAA4D8AAAAAAADgPwAAAAAAAOA/AAAAAAAA4D8AAAAAAADgPwAAAAAAAOA/AAAAAAAA4D8CAAAAjAAAAAAAAAAAAAAARHLEDP///wgAAAAAAAAAAAAAAAAAAAAAAAAAAAAAAAAAAAAAZAAAAAEAAABAAAAAAAAAAAAAAAAAAAAAAAAAAAAAAAAAAAAAAAAAAAAAAAAAAAAAAAAAAAAAAAAAAAAAAAAAAAAAAAAAAAAAAAAAAAAAAAAAAAAAAAAAAAAAAAAAAAAAFAAAADwAAAAAAAAAAAAAAAAAAAkUAAAAAQAAABQAAAAUAAAAFAAAAAEAAAAAAAAAZAAAAGQAAAAAAAAAZAAAAGQAAAAVAAAAYAAAAAAAAAAAAAAADwAAACADAAAAAAAAAAAAAAEAAACgMgAAVgcAAKr4//8BAAAAf39/AAEAAABkAAAAAAAAABQAAABAHwAAAAAAACYAAAAAAAAAwOD//wAAAAAmAAAAZAAAABYAAABMAAAAAAAAAAAAAAAEAAAAAAAAAAEAAADn5uYKAAAAACgAAAAoAAAAZAAAAGQAAAAAAAAAzMzMAAAAAABQAAAAUAAAAGQAAABkAAAAAAAAABcAAAAUAAAAAAAAAAAAAAD/fwAA/38AAAAAAAAJAAAABAAAAAAAAAAeAAAAaAAAAAAAAAAAAAAAAAAAAAAAAAAAAAAAECcAABAnAAAAAAAAAAAAAAAAAAAAAAAAAAAAAAAAAAAAAAAAAAAAABQAAAAAAAAAwMD/AAAAAABkAAAAMgAAAAAAAABkAAAAAAAAAH9/fwAKAAAAIgAAABgAAAAAAAAAAAAAAAAAAAAAAAAAAAAAAAAAAAAkAAAAJAAAAAAAAAAHAAAAAAAAAAAAAAAAAAAAAAAAAAAAAAAAAAAAf39/ACUAAABYAAAAAAAAAAAAAAAAAAAAAAAAAAAAAAAAAAAAAAAAAAAAAAAAAAAAAAAAAAAAAAA/AAAAAAAAAKCGAQAAAAAAAAAAAAAAAAAMAAAAAQAAAAAAAAAAAAAAAAAAAB8AAABUAAAAAAAABQAAAAEAAAAAAAAAAAAAAAAAAAAAAAAAAAAAAAAAAAAAAAAAAAAAAAJ/f38AAAAAA8zMzADAwP8Af39/AAAAAAAAAAAAAAAAAAAAAAAAAAAAIQAAABgAAAAUAAAA+DQAABonAADYRQAAWSkAABAAAAAmAAAACAAAAAAAAAAAAAAAMAAAABQAAAAAAAAAAAD//wAAAQAAAP//AAABAA=="/>
+                <pr:smNativeData xmlns="smNativeData" xmlns:pr="smNativeData" xmlns:p15="http://schemas.microsoft.com/office/powerpoint/2012/main" xmlns:p14="http://schemas.microsoft.com/office/powerpoint/2010/main" xmlns:mc="http://schemas.openxmlformats.org/markup-compatibility/2006" val="SMDATA_16_xzE7ZxMAAAAlAAAAZAAAAA0AAAAAkAAAAEgAAACQAAAASAAAAAAAAAABAAAAAAAAAAEAAABQAAAAAAAAAAAA4D8AAAAAAADgPwAAAAAAAOA/AAAAAAAA4D8AAAAAAADgPwAAAAAAAOA/AAAAAAAA4D8AAAAAAADgPwAAAAAAAOA/AAAAAAAA4D8CAAAAjAAAAAAAAAAAAAAARHLEDP///wgAAAAAAAAAAAAAAAAAAAAAAAAAAAAAAAAAAAAAZAAAAAEAAABAAAAAAAAAAAAAAAAAAAAAAAAAAAAAAAAAAAAAAAAAAAAAAAAAAAAAAAAAAAAAAAAAAAAAAAAAAAAAAAAAAAAAAAAAAAAAAAAAAAAAAAAAAAAAAAAAAAAAFAAAADwAAAAAAAAAAAAAAAAAAAkUAAAAAQAAABQAAAAUAAAAFAAAAAEAAAAAAAAAZAAAAGQAAAAAAAAAZAAAAGQAAAAVAAAAYAAAAAAAAAAAAAAADwAAACADAAAAAAAAAAAAAAEAAACgMgAAVgcAAKr4//8BAAAAf39/AAEAAABkAAAAAAAAABQAAABAHwAAAAAAACYAAAAAAAAAwOD//wAAAAAmAAAAZAAAABYAAABMAAAAAAAAAAAAAAAEAAAAAAAAAAEAAADn5uYKAAAAACgAAAAoAAAAZAAAAGQAAAAAAAAAzMzMAAAAAABQAAAAUAAAAGQAAABkAAAAAAAAABcAAAAUAAAAAAAAAAAAAAD/fwAA/38AAAAAAAAJAAAABAAAAAAAAAAeAAAAaAAAAAAAAAAAAAAAAAAAAAAAAAAAAAAAECcAABAnAAAAAAAAAAAAAAAAAAAAAAAAAAAAAAAAAAAAAAAAAAAAABQAAAAAAAAAwMD/AAAAAABkAAAAMgAAAAAAAABkAAAAAAAAAH9/fwAKAAAAIgAAABgAAAAAAAAAAAAAAAAAAAAAAAAAAAAAAAAAAAAkAAAAJAAAAAAAAAAHAAAAAAAAAAAAAAAAAAAAAAAAAAAAAAAAAAAAf39/ACUAAABYAAAAAAAAAAAAAAAAAAAAAAAAAAAAAAAAAAAAAAAAAAAAAAAAAAAAAAAAAAAAAAA/AAAAAAAAAKCGAQAAAAAAAAAAAAAAAAAMAAAAAQAAAAAAAAAAAAAAAAAAAB8AAABUAAAAAAAABQAAAAEAAAAAAAAAAAAAAAAAAAAAAAAAAAAAAAAAAAAAAAAAAAAAAAJ/f38AAAAAA8zMzADAwP8Af39/AAAAAAAAAAAAAAAAAAAAAAAAAAAAIQAAABgAAAAUAAAA+DQAABonAADYRQAAWSkAABAAAAAmAAAACAAAAAAAAAAAAAAAMAAAABQAAAAAAAAAAAD//wAAAQAAAP//AAABAA=="/>
               </a:ext>
             </a:extLst>
           </p:cNvSpPr>
@@ -3252,7 +3252,7 @@
             <a:spLocks noGrp="1" noChangeArrowheads="1"/>
             <a:extLst>
               <a:ext uri="smNativeData">
-                <pr:smNativeData xmlns:mc="http://schemas.openxmlformats.org/markup-compatibility/2006" xmlns:p14="http://schemas.microsoft.com/office/powerpoint/2010/main" xmlns:p15="http://schemas.microsoft.com/office/powerpoint/2012/main" xmlns:pr="smNativeData" xmlns="smNativeData" val="SMDATA_16_xzE7ZxMAAAAlAAAAZAAAAA0AAAAAkAAAAEgAAACQAAAASAAAAAAAAAABAAAAAAAAAAEAAABQAAAAAAAAAAAA4D8AAAAAAADgPwAAAAAAAOA/AAAAAAAA4D8AAAAAAADgPwAAAAAAAOA/AAAAAAAA4D8AAAAAAADgPwAAAAAAAOA/AAAAAAAA4D8CAAAAjAAAAAAAAAAAAAAARHLEDP///wgAAAAAAAAAAAAAAAAAAAAAAAAAAAAAAAAAAAAAZAAAAAEAAABAAAAAAAAAAAAAAAAAAAAAAAAAAAAAAAAAAAAAAAAAAAAAAAAAAAAAAAAAAAAAAAAAAAAAAAAAAAAAAAAAAAAAAAAAAAAAAAAAAAAAAAAAAAAAAAAAAAAAFAAAADwAAAAAAAAAAAAAAAAAAAkUAAAAAQAAABQAAAAUAAAAFAAAAAEAAAAAAAAAZAAAAGQAAAAAAAAAZAAAAGQAAAAVAAAAYAAAAAAAAAAAAAAADwAAACADAAAAAAAAAAAAAAEAAACgMgAAVgcAAKr4//8BAAAAf39/AAEAAABkAAAAAAAAABQAAABAHwAAAAAAACYAAAAAAAAAwOD//wAAAAAmAAAAZAAAABYAAABMAAAAAAAAAAAAAAAEAAAAAAAAAAEAAADn5uYKAAAAACgAAAAoAAAAZAAAAGQAAAAAAAAAzMzMAAAAAABQAAAAUAAAAGQAAABkAAAAAAAAABcAAAAUAAAAAAAAAAAAAAD/fwAA/38AAAAAAAAJAAAABAAAAAAAAAAeAAAAaAAAAAAAAAAAAAAAAAAAAAAAAAAAAAAAECcAABAnAAAAAAAAAAAAAAAAAAAAAAAAAAAAAAAAAAAAAAAAAAAAABQAAAAAAAAAwMD/AAAAAABkAAAAMgAAAAAAAABkAAAAAAAAAH9/fwAKAAAAIgAAABgAAAAAAAAAAAAAAAAAAAAAAAAAAAAAAAAAAAAkAAAAJAAAAAAAAAAHAAAAAAAAAAAAAAAAAAAAAAAAAAAAAAAAAAAAf39/ACUAAABYAAAAAAAAAAAAAAAAAAAAAAAAAAAAAAAAAAAAAAAAAAAAAAAAAAAAAAAAAAAAAAA/AAAAAAAAAKCGAQAAAAAAAAAAAAAAAAAMAAAAAQAAAAAAAAAAAAAAAAAAAB8AAABUAAAAAAAABQAAAAEAAAAAAAAAAAAAAAAAAAAAAAAAAAAAAAAAAAAAAAAAAAAAAAJ/f38AAAAAA8zMzADAwP8Af39/AAAAAAAAAAAAAAAAAAAAAAAAAAAAIQAAABgAAAAUAAAAKAUAAD8CAADYRQAAZwoAABAAAAAmAAAACAAAAAAAAAAAAAAAMAAAABQAAAAAAAAAAAD//wAAAQAAAP//AAABAA=="/>
+                <pr:smNativeData xmlns="smNativeData" xmlns:pr="smNativeData" xmlns:p15="http://schemas.microsoft.com/office/powerpoint/2012/main" xmlns:p14="http://schemas.microsoft.com/office/powerpoint/2010/main" xmlns:mc="http://schemas.openxmlformats.org/markup-compatibility/2006" val="SMDATA_16_xzE7ZxMAAAAlAAAAZAAAAA0AAAAAkAAAAEgAAACQAAAASAAAAAAAAAABAAAAAAAAAAEAAABQAAAAAAAAAAAA4D8AAAAAAADgPwAAAAAAAOA/AAAAAAAA4D8AAAAAAADgPwAAAAAAAOA/AAAAAAAA4D8AAAAAAADgPwAAAAAAAOA/AAAAAAAA4D8CAAAAjAAAAAAAAAAAAAAARHLEDP///wgAAAAAAAAAAAAAAAAAAAAAAAAAAAAAAAAAAAAAZAAAAAEAAABAAAAAAAAAAAAAAAAAAAAAAAAAAAAAAAAAAAAAAAAAAAAAAAAAAAAAAAAAAAAAAAAAAAAAAAAAAAAAAAAAAAAAAAAAAAAAAAAAAAAAAAAAAAAAAAAAAAAAFAAAADwAAAAAAAAAAAAAAAAAAAkUAAAAAQAAABQAAAAUAAAAFAAAAAEAAAAAAAAAZAAAAGQAAAAAAAAAZAAAAGQAAAAVAAAAYAAAAAAAAAAAAAAADwAAACADAAAAAAAAAAAAAAEAAACgMgAAVgcAAKr4//8BAAAAf39/AAEAAABkAAAAAAAAABQAAABAHwAAAAAAACYAAAAAAAAAwOD//wAAAAAmAAAAZAAAABYAAABMAAAAAAAAAAAAAAAEAAAAAAAAAAEAAADn5uYKAAAAACgAAAAoAAAAZAAAAGQAAAAAAAAAzMzMAAAAAABQAAAAUAAAAGQAAABkAAAAAAAAABcAAAAUAAAAAAAAAAAAAAD/fwAA/38AAAAAAAAJAAAABAAAAAAAAAAeAAAAaAAAAAAAAAAAAAAAAAAAAAAAAAAAAAAAECcAABAnAAAAAAAAAAAAAAAAAAAAAAAAAAAAAAAAAAAAAAAAAAAAABQAAAAAAAAAwMD/AAAAAABkAAAAMgAAAAAAAABkAAAAAAAAAH9/fwAKAAAAIgAAABgAAAAAAAAAAAAAAAAAAAAAAAAAAAAAAAAAAAAkAAAAJAAAAAAAAAAHAAAAAAAAAAAAAAAAAAAAAAAAAAAAAAAAAAAAf39/ACUAAABYAAAAAAAAAAAAAAAAAAAAAAAAAAAAAAAAAAAAAAAAAAAAAAAAAAAAAAAAAAAAAAA/AAAAAAAAAKCGAQAAAAAAAAAAAAAAAAAMAAAAAQAAAAAAAAAAAAAAAAAAAB8AAABUAAAAAAAABQAAAAEAAAAAAAAAAAAAAAAAAAAAAAAAAAAAAAAAAAAAAAAAAAAAAAJ/f38AAAAAA8zMzADAwP8Af39/AAAAAAAAAAAAAAAAAAAAAAAAAAAAIQAAABgAAAAUAAAAKAUAAD8CAADYRQAAZwoAABAAAAAmAAAACAAAAAAAAAAAAAAAMAAAABQAAAAAAAAAAAD//wAAAQAAAP//AAABAA=="/>
               </a:ext>
             </a:extLst>
           </p:cNvSpPr>
@@ -3281,7 +3281,7 @@
             <a:spLocks noGrp="1" noChangeArrowheads="1"/>
             <a:extLst>
               <a:ext uri="smNativeData">
-                <pr:smNativeData xmlns:mc="http://schemas.openxmlformats.org/markup-compatibility/2006" xmlns:p14="http://schemas.microsoft.com/office/powerpoint/2010/main" xmlns:p15="http://schemas.microsoft.com/office/powerpoint/2012/main" xmlns:pr="smNativeData" xmlns="smNativeData" val="SMDATA_16_xzE7ZxMAAAAlAAAAZAAAAA0AAAAAkAAAAEgAAACQAAAASAAAAAAAAAABAAAAAAAAAAEAAABQAAAAAAAAAAAA4D8AAAAAAADgPwAAAAAAAOA/AAAAAAAA4D8AAAAAAADgPwAAAAAAAOA/AAAAAAAA4D8AAAAAAADgPwAAAAAAAOA/AAAAAAAA4D8CAAAAjAAAAAAAAAAAAAAARHLEDP///wgAAAAAAAAAAAAAAAAAAAAAAAAAAAAAAAAAAAAAZAAAAAEAAABAAAAAAAAAAAAAAAAAAAAAAAAAAAAAAAAAAAAAAAAAAAAAAAAAAAAAAAAAAAAAAAAAAAAAAAAAAAAAAAAAAAAAAAAAAAAAAAAAAAAAAAAAAAAAAAAAAAAAFAAAADwAAAAAAAAAAAAAAAAAAAkUAAAAAQAAABQAAAAUAAAAFAAAAAEAAAAAAAAAZAAAAGQAAAAAAAAAZAAAAGQAAAAVAAAAYAAAAAAAAAAAAAAADwAAACADAAAAAAAAAAAAAAEAAACgMgAAVgcAAKr4//8BAAAAf39/AAEAAABkAAAAAAAAABQAAABAHwAAAAAAACYAAAAAAAAAwOD//wAAAAAmAAAAZAAAABYAAABMAAAAAAAAAAAAAAAEAAAAAAAAAAEAAADn5uYKAAAAACgAAAAoAAAAZAAAAGQAAAAAAAAAzMzMAAAAAABQAAAAUAAAAGQAAABkAAAAAAAAABcAAAAUAAAAAAAAAAAAAAD/fwAA/38AAAAAAAAJAAAABAAAAAAAAAAeAAAAaAAAAAAAAAAAAAAAAAAAAAAAAAAAAAAAECcAABAnAAAAAAAAAAAAAAAAAAAAAAAAAAAAAAAAAAAAAAAAAAAAABQAAAAAAAAAwMD/AAAAAABkAAAAMgAAAAAAAABkAAAAAAAAAH9/fwAKAAAAIgAAABgAAAAAAAAAAAAAAAAAAAAAAAAAAAAAAAAAAAAkAAAAJAAAAAAAAAAHAAAAAAAAAAAAAAAAAAAAAAAAAAAAAAAAAAAAf39/ACUAAABYAAAAAAAAAAAAAAAAAAAAAAAAAAAAAAAAAAAAAAAAAAAAAAAAAAAAAAAAAAAAAAA/AAAAAAAAAKCGAQAAAAAAAAAAAAAAAAAMAAAAAQAAAAAAAAAAAAAAAAAAAB8AAABUAAAAAAAABQAAAAEAAAAAAAAAAAAAAAAAAAAAAAAAAAAAAAAAAAAAAAAAAAAAAAJ/f38AAAAAA8zMzADAwP8Af39/AAAAAAAAAAAAAAAAAAAAAAAAAAAAIQAAABgAAAAUAAAAKAUAABonAAAIFgAAWSkAABAAAAAmAAAACAAAAAAAAAAAAAAAMAAAABQAAAAAAAAAAAD//wAAAQAAAP//AAABAA=="/>
+                <pr:smNativeData xmlns="smNativeData" xmlns:pr="smNativeData" xmlns:p15="http://schemas.microsoft.com/office/powerpoint/2012/main" xmlns:p14="http://schemas.microsoft.com/office/powerpoint/2010/main" xmlns:mc="http://schemas.openxmlformats.org/markup-compatibility/2006" val="SMDATA_16_xzE7ZxMAAAAlAAAAZAAAAA0AAAAAkAAAAEgAAACQAAAASAAAAAAAAAABAAAAAAAAAAEAAABQAAAAAAAAAAAA4D8AAAAAAADgPwAAAAAAAOA/AAAAAAAA4D8AAAAAAADgPwAAAAAAAOA/AAAAAAAA4D8AAAAAAADgPwAAAAAAAOA/AAAAAAAA4D8CAAAAjAAAAAAAAAAAAAAARHLEDP///wgAAAAAAAAAAAAAAAAAAAAAAAAAAAAAAAAAAAAAZAAAAAEAAABAAAAAAAAAAAAAAAAAAAAAAAAAAAAAAAAAAAAAAAAAAAAAAAAAAAAAAAAAAAAAAAAAAAAAAAAAAAAAAAAAAAAAAAAAAAAAAAAAAAAAAAAAAAAAAAAAAAAAFAAAADwAAAAAAAAAAAAAAAAAAAkUAAAAAQAAABQAAAAUAAAAFAAAAAEAAAAAAAAAZAAAAGQAAAAAAAAAZAAAAGQAAAAVAAAAYAAAAAAAAAAAAAAADwAAACADAAAAAAAAAAAAAAEAAACgMgAAVgcAAKr4//8BAAAAf39/AAEAAABkAAAAAAAAABQAAABAHwAAAAAAACYAAAAAAAAAwOD//wAAAAAmAAAAZAAAABYAAABMAAAAAAAAAAAAAAAEAAAAAAAAAAEAAADn5uYKAAAAACgAAAAoAAAAZAAAAGQAAAAAAAAAzMzMAAAAAABQAAAAUAAAAGQAAABkAAAAAAAAABcAAAAUAAAAAAAAAAAAAAD/fwAA/38AAAAAAAAJAAAABAAAAAAAAAAeAAAAaAAAAAAAAAAAAAAAAAAAAAAAAAAAAAAAECcAABAnAAAAAAAAAAAAAAAAAAAAAAAAAAAAAAAAAAAAAAAAAAAAABQAAAAAAAAAwMD/AAAAAABkAAAAMgAAAAAAAABkAAAAAAAAAH9/fwAKAAAAIgAAABgAAAAAAAAAAAAAAAAAAAAAAAAAAAAAAAAAAAAkAAAAJAAAAAAAAAAHAAAAAAAAAAAAAAAAAAAAAAAAAAAAAAAAAAAAf39/ACUAAABYAAAAAAAAAAAAAAAAAAAAAAAAAAAAAAAAAAAAAAAAAAAAAAAAAAAAAAAAAAAAAAA/AAAAAAAAAKCGAQAAAAAAAAAAAAAAAAAMAAAAAQAAAAAAAAAAAAAAAAAAAB8AAABUAAAAAAAABQAAAAEAAAAAAAAAAAAAAAAAAAAAAAAAAAAAAAAAAAAAAAAAAAAAAAJ/f38AAAAAA8zMzADAwP8Af39/AAAAAAAAAAAAAAAAAAAAAAAAAAAAIQAAABgAAAAUAAAAKAUAABonAAAIFgAAWSkAABAAAAAmAAAACAAAAAAAAAAAAAAAMAAAABQAAAAAAAAAAAD//wAAAQAAAP//AAABAA=="/>
               </a:ext>
             </a:extLst>
           </p:cNvSpPr>
@@ -3311,7 +3311,7 @@
             <a:spLocks noGrp="1" noChangeArrowheads="1"/>
             <a:extLst>
               <a:ext uri="smNativeData">
-                <pr:smNativeData xmlns:mc="http://schemas.openxmlformats.org/markup-compatibility/2006" xmlns:p14="http://schemas.microsoft.com/office/powerpoint/2010/main" xmlns:p15="http://schemas.microsoft.com/office/powerpoint/2012/main" xmlns:pr="smNativeData" xmlns="smNativeData" val="SMDATA_16_xzE7ZxMAAAAlAAAAZAAAAA0AAAAAkAAAAEgAAACQAAAASAAAAAAAAAABAAAAAAAAAAEAAABQAAAAAAAAAAAA4D8AAAAAAADgPwAAAAAAAOA/AAAAAAAA4D8AAAAAAADgPwAAAAAAAOA/AAAAAAAA4D8AAAAAAADgPwAAAAAAAOA/AAAAAAAA4D8CAAAAjAAAAAAAAAAAAAAARHLEDP///wgAAAAAAAAAAAAAAAAAAAAAAAAAAAAAAAAAAAAAZAAAAAEAAABAAAAAAAAAAAAAAAAAAAAAAAAAAAAAAAAAAAAAAAAAAAAAAAAAAAAAAAAAAAAAAAAAAAAAAAAAAAAAAAAAAAAAAAAAAAAAAAAAAAAAAAAAAAAAAAAAAAAAFAAAADwAAAAAAAAAAAAAAAAAAAkUAAAAAQAAABQAAAAUAAAAFAAAAAEAAAAAAAAAZAAAAGQAAAAAAAAAZAAAAGQAAAAVAAAAYAAAAAAAAAAAAAAADwAAACADAAAAAAAAAAAAAAEAAACgMgAAVgcAAKr4//8BAAAAf39/AAEAAABkAAAAAAAAABQAAABAHwAAAAAAACYAAAAAAAAAwOD//wAAAAAmAAAAZAAAABYAAABMAAAAAAAAAAAAAAAEAAAAAAAAAAEAAADn5uYKAAAAACgAAAAoAAAAZAAAAGQAAAAAAAAAzMzMAAAAAABQAAAAUAAAAGQAAABkAAAAAAAAABcAAAAUAAAAAAAAAAAAAAD/fwAA/38AAAAAAAAJAAAABAAAAAAAAAAeAAAAaAAAAAAAAAAAAAAAAAAAAAAAAAAAAAAAECcAABAnAAAAAAAAAAAAAAAAAAAAAAAAAAAAAAAAAAAAAAAAAAAAABQAAAAAAAAAwMD/AAAAAABkAAAAMgAAAAAAAABkAAAAAAAAAH9/fwAKAAAAIgAAABgAAAAAAAAAAAAAAAAAAAAAAAAAAAAAAAAAAAAkAAAAJAAAAAAAAAAHAAAAAAAAAAAAAAAAAAAAAAAAAAAAAAAAAAAAf39/ACUAAABYAAAAAAAAAAAAAAAAAAAAAAAAAAAAAAAAAAAAAAAAAAAAAAAAAAAAAAAAAAAAAAA/AAAAAAAAAKCGAQAAAAAAAAAAAAAAAAAMAAAAAQAAAAAAAAAAAAAAAAAAAB8AAABUAAAAAAAABQAAAAEAAAAAAAAAAAAAAAAAAAAAAAAAAAAAAAAAAAAAAAAAAAAAAAJ/f38AAAAAA8zMzADAwP8Af39/AAAAAAAAAAAAAAAAAAAAAAAAAAAAIQAAABgAAAAUAAAA2BgAABonAAAoMgAAWSkAABAAAAAmAAAACAAAAAAAAAAAAAAAMAAAABQAAAAAAAAAAAD//wAAAQAAAP//AAABAA=="/>
+                <pr:smNativeData xmlns="smNativeData" xmlns:pr="smNativeData" xmlns:p15="http://schemas.microsoft.com/office/powerpoint/2012/main" xmlns:p14="http://schemas.microsoft.com/office/powerpoint/2010/main" xmlns:mc="http://schemas.openxmlformats.org/markup-compatibility/2006" val="SMDATA_16_xzE7ZxMAAAAlAAAAZAAAAA0AAAAAkAAAAEgAAACQAAAASAAAAAAAAAABAAAAAAAAAAEAAABQAAAAAAAAAAAA4D8AAAAAAADgPwAAAAAAAOA/AAAAAAAA4D8AAAAAAADgPwAAAAAAAOA/AAAAAAAA4D8AAAAAAADgPwAAAAAAAOA/AAAAAAAA4D8CAAAAjAAAAAAAAAAAAAAARHLEDP///wgAAAAAAAAAAAAAAAAAAAAAAAAAAAAAAAAAAAAAZAAAAAEAAABAAAAAAAAAAAAAAAAAAAAAAAAAAAAAAAAAAAAAAAAAAAAAAAAAAAAAAAAAAAAAAAAAAAAAAAAAAAAAAAAAAAAAAAAAAAAAAAAAAAAAAAAAAAAAAAAAAAAAFAAAADwAAAAAAAAAAAAAAAAAAAkUAAAAAQAAABQAAAAUAAAAFAAAAAEAAAAAAAAAZAAAAGQAAAAAAAAAZAAAAGQAAAAVAAAAYAAAAAAAAAAAAAAADwAAACADAAAAAAAAAAAAAAEAAACgMgAAVgcAAKr4//8BAAAAf39/AAEAAABkAAAAAAAAABQAAABAHwAAAAAAACYAAAAAAAAAwOD//wAAAAAmAAAAZAAAABYAAABMAAAAAAAAAAAAAAAEAAAAAAAAAAEAAADn5uYKAAAAACgAAAAoAAAAZAAAAGQAAAAAAAAAzMzMAAAAAABQAAAAUAAAAGQAAABkAAAAAAAAABcAAAAUAAAAAAAAAAAAAAD/fwAA/38AAAAAAAAJAAAABAAAAAAAAAAeAAAAaAAAAAAAAAAAAAAAAAAAAAAAAAAAAAAAECcAABAnAAAAAAAAAAAAAAAAAAAAAAAAAAAAAAAAAAAAAAAAAAAAABQAAAAAAAAAwMD/AAAAAABkAAAAMgAAAAAAAABkAAAAAAAAAH9/fwAKAAAAIgAAABgAAAAAAAAAAAAAAAAAAAAAAAAAAAAAAAAAAAAkAAAAJAAAAAAAAAAHAAAAAAAAAAAAAAAAAAAAAAAAAAAAAAAAAAAAf39/ACUAAABYAAAAAAAAAAAAAAAAAAAAAAAAAAAAAAAAAAAAAAAAAAAAAAAAAAAAAAAAAAAAAAA/AAAAAAAAAKCGAQAAAAAAAAAAAAAAAAAMAAAAAQAAAAAAAAAAAAAAAAAAAB8AAABUAAAAAAAABQAAAAEAAAAAAAAAAAAAAAAAAAAAAAAAAAAAAAAAAAAAAAAAAAAAAAJ/f38AAAAAA8zMzADAwP8Af39/AAAAAAAAAAAAAAAAAAAAAAAAAAAAIQAAABgAAAAUAAAA2BgAABonAAAoMgAAWSkAABAAAAAmAAAACAAAAAAAAAAAAAAAMAAAABQAAAAAAAAAAAD//wAAAQAAAP//AAABAA=="/>
               </a:ext>
             </a:extLst>
           </p:cNvSpPr>
@@ -3338,7 +3338,7 @@
             <a:spLocks noGrp="1" noChangeArrowheads="1"/>
             <a:extLst>
               <a:ext uri="smNativeData">
-                <pr:smNativeData xmlns:mc="http://schemas.openxmlformats.org/markup-compatibility/2006" xmlns:p14="http://schemas.microsoft.com/office/powerpoint/2010/main" xmlns:p15="http://schemas.microsoft.com/office/powerpoint/2012/main" xmlns:pr="smNativeData" xmlns="smNativeData" val="SMDATA_16_xzE7ZxMAAAAlAAAAZAAAAA0AAAAAkAAAAEgAAACQAAAASAAAAAAAAAABAAAAAAAAAAEAAABQAAAAAAAAAAAA4D8AAAAAAADgPwAAAAAAAOA/AAAAAAAA4D8AAAAAAADgPwAAAAAAAOA/AAAAAAAA4D8AAAAAAADgPwAAAAAAAOA/AAAAAAAA4D8CAAAAjAAAAAAAAAAAAAAARHLEDP///wgAAAAAAAAAAAAAAAAAAAAAAAAAAAAAAAAAAAAAZAAAAAEAAABAAAAAAAAAAAAAAAAAAAAAAAAAAAAAAAAAAAAAAAAAAAAAAAAAAAAAAAAAAAAAAAAAAAAAAAAAAAAAAAAAAAAAAAAAAAAAAAAAAAAAAAAAAAAAAAAAAAAAFAAAADwAAAAAAAAAAAAAAAAAAAkUAAAAAQAAABQAAAAUAAAAFAAAAAEAAAAAAAAAZAAAAGQAAAAAAAAAZAAAAGQAAAAVAAAAYAAAAAAAAAAAAAAADwAAACADAAAAAAAAAAAAAAEAAACgMgAAVgcAAKr4//8BAAAAf39/AAEAAABkAAAAAAAAABQAAABAHwAAAAAAACYAAAAAAAAAwOD//wAAAAAmAAAAZAAAABYAAABMAAAAAAAAAAAAAAAEAAAAAAAAAAEAAADn5uYKAAAAACgAAAAoAAAAZAAAAGQAAAAAAAAAzMzMAAAAAABQAAAAUAAAAGQAAABkAAAAAAAAABcAAAAUAAAAAAAAAAAAAAD/fwAA/38AAAAAAAAJAAAABAAAAAAAAAAeAAAAaAAAAAAAAAAAAAAAAAAAAAAAAAAAAAAAECcAABAnAAAAAAAAAAAAAAAAAAAAAAAAAAAAAAAAAAAAAAAAAAAAABQAAAAAAAAAwMD/AAAAAABkAAAAMgAAAAAAAABkAAAAAAAAAH9/fwAKAAAAIgAAABgAAAAAAAAAAAAAAAAAAAAAAAAAAAAAAAAAAAAkAAAAJAAAAAAAAAAHAAAAAAAAAAAAAAAAAAAAAAAAAAAAAAAAAAAAf39/ACUAAABYAAAAAAAAAAAAAAAAAAAAAAAAAAAAAAAAAAAAAAAAAAAAAAAAAAAAAAAAAAAAAAA/AAAAAAAAAKCGAQAAAAAAAAAAAAAAAAAMAAAAAQAAAAAAAAAAAAAAAAAAAB8AAABUAAAAAAAABQAAAAEAAAAAAAAAAAAAAAAAAAAAAAAAAAAAAAAAAAAAAAAAAAAAAAJ/f38AAAAAA8zMzADAwP8Af39/AAAAAAAAAAAAAAAAAAAAAAAAAAAAIQAAABgAAAAUAAAA+DQAABonAADYRQAAWSkAABAAAAAmAAAACAAAAAAAAAAAAAAAMAAAABQAAAAAAAAAAAD//wAAAQAAAP//AAABAA=="/>
+                <pr:smNativeData xmlns="smNativeData" xmlns:pr="smNativeData" xmlns:p15="http://schemas.microsoft.com/office/powerpoint/2012/main" xmlns:p14="http://schemas.microsoft.com/office/powerpoint/2010/main" xmlns:mc="http://schemas.openxmlformats.org/markup-compatibility/2006" val="SMDATA_16_xzE7ZxMAAAAlAAAAZAAAAA0AAAAAkAAAAEgAAACQAAAASAAAAAAAAAABAAAAAAAAAAEAAABQAAAAAAAAAAAA4D8AAAAAAADgPwAAAAAAAOA/AAAAAAAA4D8AAAAAAADgPwAAAAAAAOA/AAAAAAAA4D8AAAAAAADgPwAAAAAAAOA/AAAAAAAA4D8CAAAAjAAAAAAAAAAAAAAARHLEDP///wgAAAAAAAAAAAAAAAAAAAAAAAAAAAAAAAAAAAAAZAAAAAEAAABAAAAAAAAAAAAAAAAAAAAAAAAAAAAAAAAAAAAAAAAAAAAAAAAAAAAAAAAAAAAAAAAAAAAAAAAAAAAAAAAAAAAAAAAAAAAAAAAAAAAAAAAAAAAAAAAAAAAAFAAAADwAAAAAAAAAAAAAAAAAAAkUAAAAAQAAABQAAAAUAAAAFAAAAAEAAAAAAAAAZAAAAGQAAAAAAAAAZAAAAGQAAAAVAAAAYAAAAAAAAAAAAAAADwAAACADAAAAAAAAAAAAAAEAAACgMgAAVgcAAKr4//8BAAAAf39/AAEAAABkAAAAAAAAABQAAABAHwAAAAAAACYAAAAAAAAAwOD//wAAAAAmAAAAZAAAABYAAABMAAAAAAAAAAAAAAAEAAAAAAAAAAEAAADn5uYKAAAAACgAAAAoAAAAZAAAAGQAAAAAAAAAzMzMAAAAAABQAAAAUAAAAGQAAABkAAAAAAAAABcAAAAUAAAAAAAAAAAAAAD/fwAA/38AAAAAAAAJAAAABAAAAAAAAAAeAAAAaAAAAAAAAAAAAAAAAAAAAAAAAAAAAAAAECcAABAnAAAAAAAAAAAAAAAAAAAAAAAAAAAAAAAAAAAAAAAAAAAAABQAAAAAAAAAwMD/AAAAAABkAAAAMgAAAAAAAABkAAAAAAAAAH9/fwAKAAAAIgAAABgAAAAAAAAAAAAAAAAAAAAAAAAAAAAAAAAAAAAkAAAAJAAAAAAAAAAHAAAAAAAAAAAAAAAAAAAAAAAAAAAAAAAAAAAAf39/ACUAAABYAAAAAAAAAAAAAAAAAAAAAAAAAAAAAAAAAAAAAAAAAAAAAAAAAAAAAAAAAAAAAAA/AAAAAAAAAKCGAQAAAAAAAAAAAAAAAAAMAAAAAQAAAAAAAAAAAAAAAAAAAB8AAABUAAAAAAAABQAAAAEAAAAAAAAAAAAAAAAAAAAAAAAAAAAAAAAAAAAAAAAAAAAAAAJ/f38AAAAAA8zMzADAwP8Af39/AAAAAAAAAAAAAAAAAAAAAAAAAAAAIQAAABgAAAAUAAAA+DQAABonAADYRQAAWSkAABAAAAAmAAAACAAAAAAAAAAAAAAAMAAAABQAAAAAAAAAAAD//wAAAQAAAP//AAABAA=="/>
               </a:ext>
             </a:extLst>
           </p:cNvSpPr>
@@ -3394,7 +3394,7 @@
             <a:spLocks noGrp="1" noChangeArrowheads="1"/>
             <a:extLst>
               <a:ext uri="smNativeData">
-                <pr:smNativeData xmlns:mc="http://schemas.openxmlformats.org/markup-compatibility/2006" xmlns:p14="http://schemas.microsoft.com/office/powerpoint/2010/main" xmlns:p15="http://schemas.microsoft.com/office/powerpoint/2012/main" xmlns:pr="smNativeData" xmlns="smNativeData" val="SMDATA_16_xzE7ZxMAAAAlAAAAZAAAAA0AAAAAkAAAAEgAAACQAAAASAAAAAAAAAABAAAAAAAAAAEAAABQAAAAAAAAAAAA4D8AAAAAAADgPwAAAAAAAOA/AAAAAAAA4D8AAAAAAADgPwAAAAAAAOA/AAAAAAAA4D8AAAAAAADgPwAAAAAAAOA/AAAAAAAA4D8CAAAAjAAAAAAAAAAAAAAARHLEDP///wgAAAAAAAAAAAAAAAAAAAAAAAAAAAAAAAAAAAAAZAAAAAEAAABAAAAAAAAAAAAAAAAAAAAAAAAAAAAAAAAAAAAAAAAAAAAAAAAAAAAAAAAAAAAAAAAAAAAAAAAAAAAAAAAAAAAAAAAAAAAAAAAAAAAAAAAAAAAAAAAAAAAAFAAAADwAAAAAAAAAAAAAAAAAAAkUAAAAAQAAABQAAAAUAAAAFAAAAAEAAAAAAAAAZAAAAGQAAAAAAAAAZAAAAGQAAAAVAAAAYAAAAAAAAAAAAAAADwAAACADAAAAAAAAAAAAAAEAAACgMgAAVgcAAKr4//8BAAAAf39/AAEAAABkAAAAAAAAABQAAABAHwAAAAAAACYAAAAAAAAAwOD//wAAAAAmAAAAZAAAABYAAABMAAAAAAAAAAAAAAAEAAAAAAAAAAEAAADn5uYKAAAAACgAAAAoAAAAZAAAAGQAAAAAAAAAzMzMAAAAAABQAAAAUAAAAGQAAABkAAAAAAAAABcAAAAUAAAAAAAAAAAAAAD/fwAA/38AAAAAAAAJAAAABAAAAAAAAAAeAAAAaAAAAAAAAAAAAAAAAAAAAAAAAAAAAAAAECcAABAnAAAAAAAAAAAAAAAAAAAAAAAAAAAAAAAAAAAAAAAAAAAAABQAAAAAAAAAwMD/AAAAAABkAAAAMgAAAAAAAABkAAAAAAAAAH9/fwAKAAAAIgAAABgAAAAAAAAAAAAAAAAAAAAAAAAAAAAAAAAAAAAkAAAAJAAAAAAAAAAHAAAAAAAAAAAAAAAAAAAAAAAAAAAAAAAAAAAAf39/ACUAAABYAAAAAAAAAAAAAAAAAAAAAAAAAAAAAAAAAAAAAAAAAAAAAAAAAAAAAAAAAAAAAAA/AAAAAAAAAKCGAQAAAAAAAAAAAAAAAAAMAAAAAQAAAAAAAAAAAAAAAAAAAB8AAABUAAAAAAAABQAAAAEAAAAAAAAAAAAAAAAAAAAAAAAAAAAAAAAAAAAAAAAAAAAAAAJ/f38AAAAAA8zMzADAwP8Af39/AAAAAAAAAAAAAAAAAAAAAAAAAAAAIQAAABgAAAAUAAAAKAUAABonAAAIFgAAWSkAABAAAAAmAAAACAAAAAAAAAAAAAAAMAAAABQAAAAAAAAAAAD//wAAAQAAAP//AAABAA=="/>
+                <pr:smNativeData xmlns="smNativeData" xmlns:pr="smNativeData" xmlns:p15="http://schemas.microsoft.com/office/powerpoint/2012/main" xmlns:p14="http://schemas.microsoft.com/office/powerpoint/2010/main" xmlns:mc="http://schemas.openxmlformats.org/markup-compatibility/2006" val="SMDATA_16_xzE7ZxMAAAAlAAAAZAAAAA0AAAAAkAAAAEgAAACQAAAASAAAAAAAAAABAAAAAAAAAAEAAABQAAAAAAAAAAAA4D8AAAAAAADgPwAAAAAAAOA/AAAAAAAA4D8AAAAAAADgPwAAAAAAAOA/AAAAAAAA4D8AAAAAAADgPwAAAAAAAOA/AAAAAAAA4D8CAAAAjAAAAAAAAAAAAAAARHLEDP///wgAAAAAAAAAAAAAAAAAAAAAAAAAAAAAAAAAAAAAZAAAAAEAAABAAAAAAAAAAAAAAAAAAAAAAAAAAAAAAAAAAAAAAAAAAAAAAAAAAAAAAAAAAAAAAAAAAAAAAAAAAAAAAAAAAAAAAAAAAAAAAAAAAAAAAAAAAAAAAAAAAAAAFAAAADwAAAAAAAAAAAAAAAAAAAkUAAAAAQAAABQAAAAUAAAAFAAAAAEAAAAAAAAAZAAAAGQAAAAAAAAAZAAAAGQAAAAVAAAAYAAAAAAAAAAAAAAADwAAACADAAAAAAAAAAAAAAEAAACgMgAAVgcAAKr4//8BAAAAf39/AAEAAABkAAAAAAAAABQAAABAHwAAAAAAACYAAAAAAAAAwOD//wAAAAAmAAAAZAAAABYAAABMAAAAAAAAAAAAAAAEAAAAAAAAAAEAAADn5uYKAAAAACgAAAAoAAAAZAAAAGQAAAAAAAAAzMzMAAAAAABQAAAAUAAAAGQAAABkAAAAAAAAABcAAAAUAAAAAAAAAAAAAAD/fwAA/38AAAAAAAAJAAAABAAAAAAAAAAeAAAAaAAAAAAAAAAAAAAAAAAAAAAAAAAAAAAAECcAABAnAAAAAAAAAAAAAAAAAAAAAAAAAAAAAAAAAAAAAAAAAAAAABQAAAAAAAAAwMD/AAAAAABkAAAAMgAAAAAAAABkAAAAAAAAAH9/fwAKAAAAIgAAABgAAAAAAAAAAAAAAAAAAAAAAAAAAAAAAAAAAAAkAAAAJAAAAAAAAAAHAAAAAAAAAAAAAAAAAAAAAAAAAAAAAAAAAAAAf39/ACUAAABYAAAAAAAAAAAAAAAAAAAAAAAAAAAAAAAAAAAAAAAAAAAAAAAAAAAAAAAAAAAAAAA/AAAAAAAAAKCGAQAAAAAAAAAAAAAAAAAMAAAAAQAAAAAAAAAAAAAAAAAAAB8AAABUAAAAAAAABQAAAAEAAAAAAAAAAAAAAAAAAAAAAAAAAAAAAAAAAAAAAAAAAAAAAAJ/f38AAAAAA8zMzADAwP8Af39/AAAAAAAAAAAAAAAAAAAAAAAAAAAAIQAAABgAAAAUAAAAKAUAABonAAAIFgAAWSkAABAAAAAmAAAACAAAAAAAAAAAAAAAMAAAABQAAAAAAAAAAAD//wAAAQAAAP//AAABAA=="/>
               </a:ext>
             </a:extLst>
           </p:cNvSpPr>
@@ -3424,7 +3424,7 @@
             <a:spLocks noGrp="1" noChangeArrowheads="1"/>
             <a:extLst>
               <a:ext uri="smNativeData">
-                <pr:smNativeData xmlns:mc="http://schemas.openxmlformats.org/markup-compatibility/2006" xmlns:p14="http://schemas.microsoft.com/office/powerpoint/2010/main" xmlns:p15="http://schemas.microsoft.com/office/powerpoint/2012/main" xmlns:pr="smNativeData" xmlns="smNativeData" val="SMDATA_16_xzE7ZxMAAAAlAAAAZAAAAA0AAAAAkAAAAEgAAACQAAAASAAAAAAAAAABAAAAAAAAAAEAAABQAAAAAAAAAAAA4D8AAAAAAADgPwAAAAAAAOA/AAAAAAAA4D8AAAAAAADgPwAAAAAAAOA/AAAAAAAA4D8AAAAAAADgPwAAAAAAAOA/AAAAAAAA4D8CAAAAjAAAAAAAAAAAAAAARHLEDP///wgAAAAAAAAAAAAAAAAAAAAAAAAAAAAAAAAAAAAAZAAAAAEAAABAAAAAAAAAAAAAAAAAAAAAAAAAAAAAAAAAAAAAAAAAAAAAAAAAAAAAAAAAAAAAAAAAAAAAAAAAAAAAAAAAAAAAAAAAAAAAAAAAAAAAAAAAAAAAAAAAAAAAFAAAADwAAAAAAAAAAAAAAAAAAAkUAAAAAQAAABQAAAAUAAAAFAAAAAEAAAAAAAAAZAAAAGQAAAAAAAAAZAAAAGQAAAAVAAAAYAAAAAAAAAAAAAAADwAAACADAAAAAAAAAAAAAAEAAACgMgAAVgcAAKr4//8BAAAAf39/AAEAAABkAAAAAAAAABQAAABAHwAAAAAAACYAAAAAAAAAwOD//wAAAAAmAAAAZAAAABYAAABMAAAAAAAAAAAAAAAEAAAAAAAAAAEAAADn5uYKAAAAACgAAAAoAAAAZAAAAGQAAAAAAAAAzMzMAAAAAABQAAAAUAAAAGQAAABkAAAAAAAAABcAAAAUAAAAAAAAAAAAAAD/fwAA/38AAAAAAAAJAAAABAAAAAAAAAAeAAAAaAAAAAAAAAAAAAAAAAAAAAAAAAAAAAAAECcAABAnAAAAAAAAAAAAAAAAAAAAAAAAAAAAAAAAAAAAAAAAAAAAABQAAAAAAAAAwMD/AAAAAABkAAAAMgAAAAAAAABkAAAAAAAAAH9/fwAKAAAAIgAAABgAAAAAAAAAAAAAAAAAAAAAAAAAAAAAAAAAAAAkAAAAJAAAAAAAAAAHAAAAAAAAAAAAAAAAAAAAAAAAAAAAAAAAAAAAf39/ACUAAABYAAAAAAAAAAAAAAAAAAAAAAAAAAAAAAAAAAAAAAAAAAAAAAAAAAAAAAAAAAAAAAA/AAAAAAAAAKCGAQAAAAAAAAAAAAAAAAAMAAAAAQAAAAAAAAAAAAAAAAAAAB8AAABUAAAAAAAABQAAAAEAAAAAAAAAAAAAAAAAAAAAAAAAAAAAAAAAAAAAAAAAAAAAAAJ/f38AAAAAA8zMzADAwP8Af39/AAAAAAAAAAAAAAAAAAAAAAAAAAAAIQAAABgAAAAUAAAA2BgAABonAAAoMgAAWSkAABAAAAAmAAAACAAAAAAAAAAAAAAAMAAAABQAAAAAAAAAAAD//wAAAQAAAP//AAABAA=="/>
+                <pr:smNativeData xmlns="smNativeData" xmlns:pr="smNativeData" xmlns:p15="http://schemas.microsoft.com/office/powerpoint/2012/main" xmlns:p14="http://schemas.microsoft.com/office/powerpoint/2010/main" xmlns:mc="http://schemas.openxmlformats.org/markup-compatibility/2006" val="SMDATA_16_xzE7ZxMAAAAlAAAAZAAAAA0AAAAAkAAAAEgAAACQAAAASAAAAAAAAAABAAAAAAAAAAEAAABQAAAAAAAAAAAA4D8AAAAAAADgPwAAAAAAAOA/AAAAAAAA4D8AAAAAAADgPwAAAAAAAOA/AAAAAAAA4D8AAAAAAADgPwAAAAAAAOA/AAAAAAAA4D8CAAAAjAAAAAAAAAAAAAAARHLEDP///wgAAAAAAAAAAAAAAAAAAAAAAAAAAAAAAAAAAAAAZAAAAAEAAABAAAAAAAAAAAAAAAAAAAAAAAAAAAAAAAAAAAAAAAAAAAAAAAAAAAAAAAAAAAAAAAAAAAAAAAAAAAAAAAAAAAAAAAAAAAAAAAAAAAAAAAAAAAAAAAAAAAAAFAAAADwAAAAAAAAAAAAAAAAAAAkUAAAAAQAAABQAAAAUAAAAFAAAAAEAAAAAAAAAZAAAAGQAAAAAAAAAZAAAAGQAAAAVAAAAYAAAAAAAAAAAAAAADwAAACADAAAAAAAAAAAAAAEAAACgMgAAVgcAAKr4//8BAAAAf39/AAEAAABkAAAAAAAAABQAAABAHwAAAAAAACYAAAAAAAAAwOD//wAAAAAmAAAAZAAAABYAAABMAAAAAAAAAAAAAAAEAAAAAAAAAAEAAADn5uYKAAAAACgAAAAoAAAAZAAAAGQAAAAAAAAAzMzMAAAAAABQAAAAUAAAAGQAAABkAAAAAAAAABcAAAAUAAAAAAAAAAAAAAD/fwAA/38AAAAAAAAJAAAABAAAAAAAAAAeAAAAaAAAAAAAAAAAAAAAAAAAAAAAAAAAAAAAECcAABAnAAAAAAAAAAAAAAAAAAAAAAAAAAAAAAAAAAAAAAAAAAAAABQAAAAAAAAAwMD/AAAAAABkAAAAMgAAAAAAAABkAAAAAAAAAH9/fwAKAAAAIgAAABgAAAAAAAAAAAAAAAAAAAAAAAAAAAAAAAAAAAAkAAAAJAAAAAAAAAAHAAAAAAAAAAAAAAAAAAAAAAAAAAAAAAAAAAAAf39/ACUAAABYAAAAAAAAAAAAAAAAAAAAAAAAAAAAAAAAAAAAAAAAAAAAAAAAAAAAAAAAAAAAAAA/AAAAAAAAAKCGAQAAAAAAAAAAAAAAAAAMAAAAAQAAAAAAAAAAAAAAAAAAAB8AAABUAAAAAAAABQAAAAEAAAAAAAAAAAAAAAAAAAAAAAAAAAAAAAAAAAAAAAAAAAAAAAJ/f38AAAAAA8zMzADAwP8Af39/AAAAAAAAAAAAAAAAAAAAAAAAAAAAIQAAABgAAAAUAAAA2BgAABonAAAoMgAAWSkAABAAAAAmAAAACAAAAAAAAAAAAAAAMAAAABQAAAAAAAAAAAD//wAAAQAAAP//AAABAA=="/>
               </a:ext>
             </a:extLst>
           </p:cNvSpPr>
@@ -3451,7 +3451,7 @@
             <a:spLocks noGrp="1" noChangeArrowheads="1"/>
             <a:extLst>
               <a:ext uri="smNativeData">
-                <pr:smNativeData xmlns:mc="http://schemas.openxmlformats.org/markup-compatibility/2006" xmlns:p14="http://schemas.microsoft.com/office/powerpoint/2010/main" xmlns:p15="http://schemas.microsoft.com/office/powerpoint/2012/main" xmlns:pr="smNativeData" xmlns="smNativeData" val="SMDATA_16_xzE7ZxMAAAAlAAAAZAAAAA0AAAAAkAAAAEgAAACQAAAASAAAAAAAAAABAAAAAAAAAAEAAABQAAAAAAAAAAAA4D8AAAAAAADgPwAAAAAAAOA/AAAAAAAA4D8AAAAAAADgPwAAAAAAAOA/AAAAAAAA4D8AAAAAAADgPwAAAAAAAOA/AAAAAAAA4D8CAAAAjAAAAAAAAAAAAAAARHLEDP///wgAAAAAAAAAAAAAAAAAAAAAAAAAAAAAAAAAAAAAZAAAAAEAAABAAAAAAAAAAAAAAAAAAAAAAAAAAAAAAAAAAAAAAAAAAAAAAAAAAAAAAAAAAAAAAAAAAAAAAAAAAAAAAAAAAAAAAAAAAAAAAAAAAAAAAAAAAAAAAAAAAAAAFAAAADwAAAAAAAAAAAAAAAAAAAkUAAAAAQAAABQAAAAUAAAAFAAAAAEAAAAAAAAAZAAAAGQAAAAAAAAAZAAAAGQAAAAVAAAAYAAAAAAAAAAAAAAADwAAACADAAAAAAAAAAAAAAEAAACgMgAAVgcAAKr4//8BAAAAf39/AAEAAABkAAAAAAAAABQAAABAHwAAAAAAACYAAAAAAAAAwOD//wAAAAAmAAAAZAAAABYAAABMAAAAAAAAAAAAAAAEAAAAAAAAAAEAAADn5uYKAAAAACgAAAAoAAAAZAAAAGQAAAAAAAAAzMzMAAAAAABQAAAAUAAAAGQAAABkAAAAAAAAABcAAAAUAAAAAAAAAAAAAAD/fwAA/38AAAAAAAAJAAAABAAAAAAAAAAeAAAAaAAAAAAAAAAAAAAAAAAAAAAAAAAAAAAAECcAABAnAAAAAAAAAAAAAAAAAAAAAAAAAAAAAAAAAAAAAAAAAAAAABQAAAAAAAAAwMD/AAAAAABkAAAAMgAAAAAAAABkAAAAAAAAAH9/fwAKAAAAIgAAABgAAAAAAAAAAAAAAAAAAAAAAAAAAAAAAAAAAAAkAAAAJAAAAAAAAAAHAAAAAAAAAAAAAAAAAAAAAAAAAAAAAAAAAAAAf39/ACUAAABYAAAAAAAAAAAAAAAAAAAAAAAAAAAAAAAAAAAAAAAAAAAAAAAAAAAAAAAAAAAAAAA/AAAAAAAAAKCGAQAAAAAAAAAAAAAAAAAMAAAAAQAAAAAAAAAAAAAAAAAAAB8AAABUAAAAAAAABQAAAAEAAAAAAAAAAAAAAAAAAAAAAAAAAAAAAAAAAAAAAAAAAAAAAAJ/f38AAAAAA8zMzADAwP8Af39/AAAAAAAAAAAAAAAAAAAAAAAAAAAAIQAAABgAAAAUAAAA+DQAABonAADYRQAAWSkAABAAAAAmAAAACAAAAAAAAAAAAAAAMAAAABQAAAAAAAAAAAD//wAAAQAAAP//AAABAA=="/>
+                <pr:smNativeData xmlns="smNativeData" xmlns:pr="smNativeData" xmlns:p15="http://schemas.microsoft.com/office/powerpoint/2012/main" xmlns:p14="http://schemas.microsoft.com/office/powerpoint/2010/main" xmlns:mc="http://schemas.openxmlformats.org/markup-compatibility/2006" val="SMDATA_16_xzE7ZxMAAAAlAAAAZAAAAA0AAAAAkAAAAEgAAACQAAAASAAAAAAAAAABAAAAAAAAAAEAAABQAAAAAAAAAAAA4D8AAAAAAADgPwAAAAAAAOA/AAAAAAAA4D8AAAAAAADgPwAAAAAAAOA/AAAAAAAA4D8AAAAAAADgPwAAAAAAAOA/AAAAAAAA4D8CAAAAjAAAAAAAAAAAAAAARHLEDP///wgAAAAAAAAAAAAAAAAAAAAAAAAAAAAAAAAAAAAAZAAAAAEAAABAAAAAAAAAAAAAAAAAAAAAAAAAAAAAAAAAAAAAAAAAAAAAAAAAAAAAAAAAAAAAAAAAAAAAAAAAAAAAAAAAAAAAAAAAAAAAAAAAAAAAAAAAAAAAAAAAAAAAFAAAADwAAAAAAAAAAAAAAAAAAAkUAAAAAQAAABQAAAAUAAAAFAAAAAEAAAAAAAAAZAAAAGQAAAAAAAAAZAAAAGQAAAAVAAAAYAAAAAAAAAAAAAAADwAAACADAAAAAAAAAAAAAAEAAACgMgAAVgcAAKr4//8BAAAAf39/AAEAAABkAAAAAAAAABQAAABAHwAAAAAAACYAAAAAAAAAwOD//wAAAAAmAAAAZAAAABYAAABMAAAAAAAAAAAAAAAEAAAAAAAAAAEAAADn5uYKAAAAACgAAAAoAAAAZAAAAGQAAAAAAAAAzMzMAAAAAABQAAAAUAAAAGQAAABkAAAAAAAAABcAAAAUAAAAAAAAAAAAAAD/fwAA/38AAAAAAAAJAAAABAAAAAAAAAAeAAAAaAAAAAAAAAAAAAAAAAAAAAAAAAAAAAAAECcAABAnAAAAAAAAAAAAAAAAAAAAAAAAAAAAAAAAAAAAAAAAAAAAABQAAAAAAAAAwMD/AAAAAABkAAAAMgAAAAAAAABkAAAAAAAAAH9/fwAKAAAAIgAAABgAAAAAAAAAAAAAAAAAAAAAAAAAAAAAAAAAAAAkAAAAJAAAAAAAAAAHAAAAAAAAAAAAAAAAAAAAAAAAAAAAAAAAAAAAf39/ACUAAABYAAAAAAAAAAAAAAAAAAAAAAAAAAAAAAAAAAAAAAAAAAAAAAAAAAAAAAAAAAAAAAA/AAAAAAAAAKCGAQAAAAAAAAAAAAAAAAAMAAAAAQAAAAAAAAAAAAAAAAAAAB8AAABUAAAAAAAABQAAAAEAAAAAAAAAAAAAAAAAAAAAAAAAAAAAAAAAAAAAAAAAAAAAAAJ/f38AAAAAA8zMzADAwP8Af39/AAAAAAAAAAAAAAAAAAAAAAAAAAAAIQAAABgAAAAUAAAA+DQAABonAADYRQAAWSkAABAAAAAmAAAACAAAAAAAAAAAAAAAMAAAABQAAAAAAAAAAAD//wAAAQAAAP//AAABAA=="/>
               </a:ext>
             </a:extLst>
           </p:cNvSpPr>
@@ -3507,7 +3507,7 @@
             <a:spLocks noGrp="1" noChangeArrowheads="1"/>
             <a:extLst>
               <a:ext uri="smNativeData">
-                <pr:smNativeData xmlns:mc="http://schemas.openxmlformats.org/markup-compatibility/2006" xmlns:p14="http://schemas.microsoft.com/office/powerpoint/2010/main" xmlns:p15="http://schemas.microsoft.com/office/powerpoint/2012/main" xmlns:pr="smNativeData" xmlns="smNativeData" val="SMDATA_16_xzE7ZxMAAAAlAAAAZAAAAA0AAAAAkAAAAEgAAACQAAAASAAAAAAAAAACAAAAAAAAAAEAAABQAAAAAAAAAAAA4D8AAAAAAADgPwAAAAAAAOA/AAAAAAAA4D8AAAAAAADgPwAAAAAAAOA/AAAAAAAA4D8AAAAAAADgPwAAAAAAAOA/AAAAAAAA4D8CAAAAjAAAAAAAAAAAAAAARHLEDP///wgAAAAAAAAAAAAAAAAAAAAAAAAAAAAAAAAAAAAAZAAAAAEAAABAAAAAAAAAAAAAAAAAAAAAAAAAAAAAAAAAAAAAAAAAAAAAAAAAAAAAAAAAAAAAAAAAAAAAAAAAAAAAAAAAAAAAAAAAAAAAAAAAAAAAAAAAAAAAAAAAAAAAFAAAADwAAAAAAAAAAAAAAAAAAAkUAAAAAQAAABQAAAAUAAAAFAAAAAEAAAAAAAAAZAAAAGQAAAAAAAAAZAAAAGQAAAAVAAAAYAAAAAAAAAAAAAAADwAAACADAAAAAAAAAAAAAAEAAACgMgAAVgcAAKr4//8BAAAAf39/AAEAAABkAAAAAAAAABQAAABAHwAAAAAAACYAAAAAAAAAwOD//wAAAAAmAAAAZAAAABYAAABMAAAAAAAAAAAAAAAEAAAAAAAAAAEAAADn5uYKAAAAACgAAAAoAAAAZAAAAGQAAAAAAAAAzMzMAAAAAABQAAAAUAAAAGQAAABkAAAAAAAAABcAAAAUAAAAAAAAAAAAAAD/fwAA/38AAAAAAAAJAAAABAAAAAAAAAAeAAAAaAAAAAAAAAAAAAAAAAAAAAAAAAAAAAAAECcAABAnAAAAAAAAAAAAAAAAAAAAAAAAAAAAAAAAAAAAAAAAAAAAABQAAAAAAAAAwMD/AAAAAABkAAAAMgAAAAAAAABkAAAAAAAAAH9/fwAKAAAAIgAAABgAAAAAAAAAAAAAAAAAAAAAAAAAAAAAAAAAAAAkAAAAJAAAAAAAAAAHAAAAAAAAAAAAAAAAAAAAAAAAAAAAAAAAAAAAf39/ACUAAABYAAAAAAAAAAAAAAAAAAAAAAAAAAAAAAAAAAAAAAAAAAAAAAAAAAAAAAAAAAAAAAA/AAAAAAAAAKCGAQAAAAAAAAAAAAAAAAAMAAAAAQAAAAAAAAAAAAAAAAAAAB8AAABUAAAAAAAABQAAAAEAAAAAAAAAAAAAAAAAAAAAAAAAAAAAAAAAAAAAAAAAAAAAAAJ/f38AAAAAA8zMzADAwP8Af39/AAAAAAAAAAAAAAAAAAAAAAAAAAAAIQAAABgAAAAUAAAAKwUAANACAABbHQAAqAwAABAAAAAmAAAACAAAAIGAAAAAAAAAMAAAABQAAAAAAAAAAAD//wAAAQAAAP//AAABAA=="/>
+                <pr:smNativeData xmlns="smNativeData" xmlns:pr="smNativeData" xmlns:p15="http://schemas.microsoft.com/office/powerpoint/2012/main" xmlns:p14="http://schemas.microsoft.com/office/powerpoint/2010/main" xmlns:mc="http://schemas.openxmlformats.org/markup-compatibility/2006" val="SMDATA_16_xzE7ZxMAAAAlAAAAZAAAAA0AAAAAkAAAAEgAAACQAAAASAAAAAAAAAACAAAAAAAAAAEAAABQAAAAAAAAAAAA4D8AAAAAAADgPwAAAAAAAOA/AAAAAAAA4D8AAAAAAADgPwAAAAAAAOA/AAAAAAAA4D8AAAAAAADgPwAAAAAAAOA/AAAAAAAA4D8CAAAAjAAAAAAAAAAAAAAARHLEDP///wgAAAAAAAAAAAAAAAAAAAAAAAAAAAAAAAAAAAAAZAAAAAEAAABAAAAAAAAAAAAAAAAAAAAAAAAAAAAAAAAAAAAAAAAAAAAAAAAAAAAAAAAAAAAAAAAAAAAAAAAAAAAAAAAAAAAAAAAAAAAAAAAAAAAAAAAAAAAAAAAAAAAAFAAAADwAAAAAAAAAAAAAAAAAAAkUAAAAAQAAABQAAAAUAAAAFAAAAAEAAAAAAAAAZAAAAGQAAAAAAAAAZAAAAGQAAAAVAAAAYAAAAAAAAAAAAAAADwAAACADAAAAAAAAAAAAAAEAAACgMgAAVgcAAKr4//8BAAAAf39/AAEAAABkAAAAAAAAABQAAABAHwAAAAAAACYAAAAAAAAAwOD//wAAAAAmAAAAZAAAABYAAABMAAAAAAAAAAAAAAAEAAAAAAAAAAEAAADn5uYKAAAAACgAAAAoAAAAZAAAAGQAAAAAAAAAzMzMAAAAAABQAAAAUAAAAGQAAABkAAAAAAAAABcAAAAUAAAAAAAAAAAAAAD/fwAA/38AAAAAAAAJAAAABAAAAAAAAAAeAAAAaAAAAAAAAAAAAAAAAAAAAAAAAAAAAAAAECcAABAnAAAAAAAAAAAAAAAAAAAAAAAAAAAAAAAAAAAAAAAAAAAAABQAAAAAAAAAwMD/AAAAAABkAAAAMgAAAAAAAABkAAAAAAAAAH9/fwAKAAAAIgAAABgAAAAAAAAAAAAAAAAAAAAAAAAAAAAAAAAAAAAkAAAAJAAAAAAAAAAHAAAAAAAAAAAAAAAAAAAAAAAAAAAAAAAAAAAAf39/ACUAAABYAAAAAAAAAAAAAAAAAAAAAAAAAAAAAAAAAAAAAAAAAAAAAAAAAAAAAAAAAAAAAAA/AAAAAAAAAKCGAQAAAAAAAAAAAAAAAAAMAAAAAQAAAAAAAAAAAAAAAAAAAB8AAABUAAAAAAAABQAAAAEAAAAAAAAAAAAAAAAAAAAAAAAAAAAAAAAAAAAAAAAAAAAAAAJ/f38AAAAAA8zMzADAwP8Af39/AAAAAAAAAAAAAAAAAAAAAAAAAAAAIQAAABgAAAAUAAAAKwUAANACAABbHQAAqAwAABAAAAAmAAAACAAAAIGAAAAAAAAAMAAAABQAAAAAAAAAAAD//wAAAQAAAP//AAABAA=="/>
               </a:ext>
             </a:extLst>
           </p:cNvSpPr>
@@ -3573,7 +3573,7 @@
             <a:spLocks noGrp="1" noChangeArrowheads="1"/>
             <a:extLst>
               <a:ext uri="smNativeData">
-                <pr:smNativeData xmlns:mc="http://schemas.openxmlformats.org/markup-compatibility/2006" xmlns:p14="http://schemas.microsoft.com/office/powerpoint/2010/main" xmlns:p15="http://schemas.microsoft.com/office/powerpoint/2012/main" xmlns:pr="smNativeData" xmlns="smNativeData" val="SMDATA_16_xzE7ZxMAAAAlAAAAZAAAAA0AAAAAkAAAAEgAAACQAAAASAAAAAAAAAAAAAAAAAAAAAEAAABQAAAAAAAAAAAA4D8AAAAAAADgPwAAAAAAAOA/AAAAAAAA4D8AAAAAAADgPwAAAAAAAOA/AAAAAAAA4D8AAAAAAADgPwAAAAAAAOA/AAAAAAAA4D8CAAAAjAAAAAAAAAAAAAAARHLEDP///wgAAAAAAAAAAAAAAAAAAAAAAAAAAAAAAAAAAAAAZAAAAAEAAABAAAAAAAAAAAAAAAAAAAAAAAAAAAAAAAAAAAAAAAAAAAAAAAAAAAAAAAAAAAAAAAAAAAAAAAAAAAAAAAAAAAAAAAAAAAAAAAAAAAAAAAAAAAAAAAAAAAAAFAAAADwAAAAAAAAAAAAAAAAAAAkUAAAAAQAAABQAAAAUAAAAFAAAAAEAAAAAAAAAZAAAAGQAAAAAAAAAZAAAAGQAAAAVAAAAYAAAAAAAAAAAAAAADwAAACADAAAAAAAAAAAAAAEAAACgMgAAVgcAAKr4//8BAAAAf39/AAEAAABkAAAAAAAAABQAAABAHwAAAAAAACYAAAAAAAAAwOD//wAAAAAmAAAAZAAAABYAAABMAAAAAAAAAAAAAAAEAAAAAAAAAAEAAADn5uYKAAAAACgAAAAoAAAAZAAAAGQAAAAAAAAAzMzMAAAAAABQAAAAUAAAAGQAAABkAAAAAAAAABcAAAAUAAAAAAAAAAAAAAD/fwAA/38AAAAAAAAJAAAABAAAAAAAAAAeAAAAaAAAAAAAAAAAAAAAAAAAAAAAAAAAAAAAECcAABAnAAAAAAAAAAAAAAAAAAAAAAAAAAAAAAAAAAAAAAAAAAAAABQAAAAAAAAAwMD/AAAAAABkAAAAMgAAAAAAAABkAAAAAAAAAH9/fwAKAAAAIgAAABgAAAAAAAAAAAAAAAAAAAAAAAAAAAAAAAAAAAAkAAAAJAAAAAAAAAAHAAAAAAAAAAAAAAAAAAAAAAAAAAAAAAAAAAAAf39/ACUAAABYAAAAAAAAAAAAAAAAAAAAAAAAAAAAAAAAAAAAAAAAAAAAAAAAAAAAAAAAAAAAAAA/AAAAAAAAAKCGAQAAAAAAAAAAAAAAAAAMAAAAAQAAAAAAAAAAAAAAAAAAAB8AAABUAAAAAAAABQAAAAEAAAAAAAAAAAAAAAAAAAAAAAAAAAAAAAAAAAAAAAAAAAAAAAJ/f38AAAAAA8zMzADAwP8Af39/AAAAAAAAAAAAAAAAAAAAAAAAAAAAIQAAABgAAAAUAAAA4x8AABMGAADbRQAADiQAABAAAAAmAAAACAAAAAGAAAAAAAAAMAAAABQAAAAAAAAAAAD//wAAAQAAAP//AAABAA=="/>
+                <pr:smNativeData xmlns="smNativeData" xmlns:pr="smNativeData" xmlns:p15="http://schemas.microsoft.com/office/powerpoint/2012/main" xmlns:p14="http://schemas.microsoft.com/office/powerpoint/2010/main" xmlns:mc="http://schemas.openxmlformats.org/markup-compatibility/2006" val="SMDATA_16_xzE7ZxMAAAAlAAAAZAAAAA0AAAAAkAAAAEgAAACQAAAASAAAAAAAAAAAAAAAAAAAAAEAAABQAAAAAAAAAAAA4D8AAAAAAADgPwAAAAAAAOA/AAAAAAAA4D8AAAAAAADgPwAAAAAAAOA/AAAAAAAA4D8AAAAAAADgPwAAAAAAAOA/AAAAAAAA4D8CAAAAjAAAAAAAAAAAAAAARHLEDP///wgAAAAAAAAAAAAAAAAAAAAAAAAAAAAAAAAAAAAAZAAAAAEAAABAAAAAAAAAAAAAAAAAAAAAAAAAAAAAAAAAAAAAAAAAAAAAAAAAAAAAAAAAAAAAAAAAAAAAAAAAAAAAAAAAAAAAAAAAAAAAAAAAAAAAAAAAAAAAAAAAAAAAFAAAADwAAAAAAAAAAAAAAAAAAAkUAAAAAQAAABQAAAAUAAAAFAAAAAEAAAAAAAAAZAAAAGQAAAAAAAAAZAAAAGQAAAAVAAAAYAAAAAAAAAAAAAAADwAAACADAAAAAAAAAAAAAAEAAACgMgAAVgcAAKr4//8BAAAAf39/AAEAAABkAAAAAAAAABQAAABAHwAAAAAAACYAAAAAAAAAwOD//wAAAAAmAAAAZAAAABYAAABMAAAAAAAAAAAAAAAEAAAAAAAAAAEAAADn5uYKAAAAACgAAAAoAAAAZAAAAGQAAAAAAAAAzMzMAAAAAABQAAAAUAAAAGQAAABkAAAAAAAAABcAAAAUAAAAAAAAAAAAAAD/fwAA/38AAAAAAAAJAAAABAAAAAAAAAAeAAAAaAAAAAAAAAAAAAAAAAAAAAAAAAAAAAAAECcAABAnAAAAAAAAAAAAAAAAAAAAAAAAAAAAAAAAAAAAAAAAAAAAABQAAAAAAAAAwMD/AAAAAABkAAAAMgAAAAAAAABkAAAAAAAAAH9/fwAKAAAAIgAAABgAAAAAAAAAAAAAAAAAAAAAAAAAAAAAAAAAAAAkAAAAJAAAAAAAAAAHAAAAAAAAAAAAAAAAAAAAAAAAAAAAAAAAAAAAf39/ACUAAABYAAAAAAAAAAAAAAAAAAAAAAAAAAAAAAAAAAAAAAAAAAAAAAAAAAAAAAAAAAAAAAA/AAAAAAAAAKCGAQAAAAAAAAAAAAAAAAAMAAAAAQAAAAAAAAAAAAAAAAAAAB8AAABUAAAAAAAABQAAAAEAAAAAAAAAAAAAAAAAAAAAAAAAAAAAAAAAAAAAAAAAAAAAAAJ/f38AAAAAA8zMzADAwP8Af39/AAAAAAAAAAAAAAAAAAAAAAAAAAAAIQAAABgAAAAUAAAA4x8AABMGAADbRQAADiQAABAAAAAmAAAACAAAAAGAAAAAAAAAMAAAABQAAAAAAAAAAAD//wAAAQAAAP//AAABAA=="/>
               </a:ext>
             </a:extLst>
           </p:cNvSpPr>
@@ -3667,7 +3667,7 @@
             <a:spLocks noGrp="1" noChangeArrowheads="1"/>
             <a:extLst>
               <a:ext uri="smNativeData">
-                <pr:smNativeData xmlns:mc="http://schemas.openxmlformats.org/markup-compatibility/2006" xmlns:p14="http://schemas.microsoft.com/office/powerpoint/2010/main" xmlns:p15="http://schemas.microsoft.com/office/powerpoint/2012/main" xmlns:pr="smNativeData" xmlns="smNativeData" val="SMDATA_16_xzE7ZxMAAAAlAAAAZAAAAA0AAAAAkAAAAEgAAACQAAAASAAAAAAAAAAAAAAAAAAAAAEAAABQAAAAAAAAAAAA4D8AAAAAAADgPwAAAAAAAOA/AAAAAAAA4D8AAAAAAADgPwAAAAAAAOA/AAAAAAAA4D8AAAAAAADgPwAAAAAAAOA/AAAAAAAA4D8CAAAAjAAAAAAAAAAAAAAARHLEDP///wgAAAAAAAAAAAAAAAAAAAAAAAAAAAAAAAAAAAAAZAAAAAEAAABAAAAAAAAAAAAAAAAAAAAAAAAAAAAAAAAAAAAAAAAAAAAAAAAAAAAAAAAAAAAAAAAAAAAAAAAAAAAAAAAAAAAAAAAAAAAAAAAAAAAAAAAAAAAAAAAAAAAAFAAAADwAAAAAAAAAAAAAAAAAAAkUAAAAAQAAABQAAAAUAAAAFAAAAAEAAAAAAAAAZAAAAGQAAAAAAAAAZAAAAGQAAAAVAAAAYAAAAAAAAAAAAAAADwAAACADAAAAAAAAAAAAAAEAAACgMgAAVgcAAKr4//8BAAAAf39/AAEAAABkAAAAAAAAABQAAABAHwAAAAAAACYAAAAAAAAAwOD//wAAAAAmAAAAZAAAABYAAABMAAAAAAAAAAAAAAAEAAAAAAAAAAEAAADn5uYKAAAAACgAAAAoAAAAZAAAAGQAAAAAAAAAzMzMAAAAAABQAAAAUAAAAGQAAABkAAAAAAAAABcAAAAUAAAAAAAAAAAAAAD/fwAA/38AAAAAAAAJAAAABAAAAAAAAAAeAAAAaAAAAAAAAAAAAAAAAAAAAAAAAAAAAAAAECcAABAnAAAAAAAAAAAAAAAAAAAAAAAAAAAAAAAAAAAAAAAAAAAAABQAAAAAAAAAwMD/AAAAAABkAAAAMgAAAAAAAABkAAAAAAAAAH9/fwAKAAAAIgAAABgAAAAAAAAAAAAAAAAAAAAAAAAAAAAAAAAAAAAkAAAAJAAAAAAAAAAHAAAAAAAAAAAAAAAAAAAAAAAAAAAAAAAAAAAAf39/ACUAAABYAAAAAAAAAAAAAAAAAAAAAAAAAAAAAAAAAAAAAAAAAAAAAAAAAAAAAAAAAAAAAAA/AAAAAAAAAKCGAQAAAAAAAAAAAAAAAAAMAAAAAQAAAAAAAAAAAAAAAAAAAB8AAABUAAAAAAAABQAAAAEAAAAAAAAAAAAAAAAAAAAAAAAAAAAAAAAAAAAAAAAAAAAAAAJ/f38AAAAAA8zMzADAwP8Af39/AAAAAAAAAAAAAAAAAAAAAAAAAAAAIQAAABgAAAAUAAAAKwUAAKgMAABbHQAAGyQAABAAAAAmAAAACAAAAAGAAAAAAAAAMAAAABQAAAAAAAAAAAD//wAAAQAAAP//AAABAA=="/>
+                <pr:smNativeData xmlns="smNativeData" xmlns:pr="smNativeData" xmlns:p15="http://schemas.microsoft.com/office/powerpoint/2012/main" xmlns:p14="http://schemas.microsoft.com/office/powerpoint/2010/main" xmlns:mc="http://schemas.openxmlformats.org/markup-compatibility/2006" val="SMDATA_16_xzE7ZxMAAAAlAAAAZAAAAA0AAAAAkAAAAEgAAACQAAAASAAAAAAAAAAAAAAAAAAAAAEAAABQAAAAAAAAAAAA4D8AAAAAAADgPwAAAAAAAOA/AAAAAAAA4D8AAAAAAADgPwAAAAAAAOA/AAAAAAAA4D8AAAAAAADgPwAAAAAAAOA/AAAAAAAA4D8CAAAAjAAAAAAAAAAAAAAARHLEDP///wgAAAAAAAAAAAAAAAAAAAAAAAAAAAAAAAAAAAAAZAAAAAEAAABAAAAAAAAAAAAAAAAAAAAAAAAAAAAAAAAAAAAAAAAAAAAAAAAAAAAAAAAAAAAAAAAAAAAAAAAAAAAAAAAAAAAAAAAAAAAAAAAAAAAAAAAAAAAAAAAAAAAAFAAAADwAAAAAAAAAAAAAAAAAAAkUAAAAAQAAABQAAAAUAAAAFAAAAAEAAAAAAAAAZAAAAGQAAAAAAAAAZAAAAGQAAAAVAAAAYAAAAAAAAAAAAAAADwAAACADAAAAAAAAAAAAAAEAAACgMgAAVgcAAKr4//8BAAAAf39/AAEAAABkAAAAAAAAABQAAABAHwAAAAAAACYAAAAAAAAAwOD//wAAAAAmAAAAZAAAABYAAABMAAAAAAAAAAAAAAAEAAAAAAAAAAEAAADn5uYKAAAAACgAAAAoAAAAZAAAAGQAAAAAAAAAzMzMAAAAAABQAAAAUAAAAGQAAABkAAAAAAAAABcAAAAUAAAAAAAAAAAAAAD/fwAA/38AAAAAAAAJAAAABAAAAAAAAAAeAAAAaAAAAAAAAAAAAAAAAAAAAAAAAAAAAAAAECcAABAnAAAAAAAAAAAAAAAAAAAAAAAAAAAAAAAAAAAAAAAAAAAAABQAAAAAAAAAwMD/AAAAAABkAAAAMgAAAAAAAABkAAAAAAAAAH9/fwAKAAAAIgAAABgAAAAAAAAAAAAAAAAAAAAAAAAAAAAAAAAAAAAkAAAAJAAAAAAAAAAHAAAAAAAAAAAAAAAAAAAAAAAAAAAAAAAAAAAAf39/ACUAAABYAAAAAAAAAAAAAAAAAAAAAAAAAAAAAAAAAAAAAAAAAAAAAAAAAAAAAAAAAAAAAAA/AAAAAAAAAKCGAQAAAAAAAAAAAAAAAAAMAAAAAQAAAAAAAAAAAAAAAAAAAB8AAABUAAAAAAAABQAAAAEAAAAAAAAAAAAAAAAAAAAAAAAAAAAAAAAAAAAAAAAAAAAAAAJ/f38AAAAAA8zMzADAwP8Af39/AAAAAAAAAAAAAAAAAAAAAAAAAAAAIQAAABgAAAAUAAAAKwUAAKgMAABbHQAAGyQAABAAAAAmAAAACAAAAAGAAAAAAAAAMAAAABQAAAAAAAAAAAD//wAAAQAAAP//AAABAA=="/>
               </a:ext>
             </a:extLst>
           </p:cNvSpPr>
@@ -3738,7 +3738,7 @@
             <a:spLocks noGrp="1" noChangeArrowheads="1"/>
             <a:extLst>
               <a:ext uri="smNativeData">
-                <pr:smNativeData xmlns:mc="http://schemas.openxmlformats.org/markup-compatibility/2006" xmlns:p14="http://schemas.microsoft.com/office/powerpoint/2010/main" xmlns:p15="http://schemas.microsoft.com/office/powerpoint/2012/main" xmlns:pr="smNativeData" xmlns="smNativeData" val="SMDATA_16_xzE7ZxMAAAAlAAAAZAAAAA0AAAAAkAAAAEgAAACQAAAASAAAAAAAAAABAAAAAAAAAAEAAABQAAAAAAAAAAAA4D8AAAAAAADgPwAAAAAAAOA/AAAAAAAA4D8AAAAAAADgPwAAAAAAAOA/AAAAAAAA4D8AAAAAAADgPwAAAAAAAOA/AAAAAAAA4D8CAAAAjAAAAAAAAAAAAAAARHLEDP///wgAAAAAAAAAAAAAAAAAAAAAAAAAAAAAAAAAAAAAZAAAAAEAAABAAAAAAAAAAAAAAAAAAAAAAAAAAAAAAAAAAAAAAAAAAAAAAAAAAAAAAAAAAAAAAAAAAAAAAAAAAAAAAAAAAAAAAAAAAAAAAAAAAAAAAAAAAAAAAAAAAAAAFAAAADwAAAAAAAAAAAAAAAAAAAkUAAAAAQAAABQAAAAUAAAAFAAAAAEAAAAAAAAAZAAAAGQAAAAAAAAAZAAAAGQAAAAVAAAAYAAAAAAAAAAAAAAADwAAACADAAAAAAAAAAAAAAEAAACgMgAAVgcAAKr4//8BAAAAf39/AAEAAABkAAAAAAAAABQAAABAHwAAAAAAACYAAAAAAAAAwOD//wAAAAAmAAAAZAAAABYAAABMAAAAAAAAAAAAAAAEAAAAAAAAAAEAAADn5uYKAAAAACgAAAAoAAAAZAAAAGQAAAAAAAAAzMzMAAAAAABQAAAAUAAAAGQAAABkAAAAAAAAABcAAAAUAAAAAAAAAAAAAAD/fwAA/38AAAAAAAAJAAAABAAAAAAAAAAeAAAAaAAAAAAAAAAAAAAAAAAAAAAAAAAAAAAAECcAABAnAAAAAAAAAAAAAAAAAAAAAAAAAAAAAAAAAAAAAAAAAAAAABQAAAAAAAAAwMD/AAAAAABkAAAAMgAAAAAAAABkAAAAAAAAAH9/fwAKAAAAIgAAABgAAAAAAAAAAAAAAAAAAAAAAAAAAAAAAAAAAAAkAAAAJAAAAAAAAAAHAAAAAAAAAAAAAAAAAAAAAAAAAAAAAAAAAAAAf39/ACUAAABYAAAAAAAAAAAAAAAAAAAAAAAAAAAAAAAAAAAAAAAAAAAAAAAAAAAAAAAAAAAAAAA/AAAAAAAAAKCGAQAAAAAAAAAAAAAAAAAMAAAAAQAAAAAAAAAAAAAAAAAAAB8AAABUAAAAAAAABQAAAAEAAAAAAAAAAAAAAAAAAAAAAAAAAAAAAAAAAAAAAAAAAAAAAAJ/f38AAAAAA8zMzADAwP8Af39/AAAAAAAAAAAAAAAAAAAAAAAAAAAAIQAAABgAAAAUAAAAKAUAABonAAAIFgAAWSkAABAAAAAmAAAACAAAAAAAAAAAAAAAMAAAABQAAAAAAAAAAAD//wAAAQAAAP//AAABAA=="/>
+                <pr:smNativeData xmlns="smNativeData" xmlns:pr="smNativeData" xmlns:p15="http://schemas.microsoft.com/office/powerpoint/2012/main" xmlns:p14="http://schemas.microsoft.com/office/powerpoint/2010/main" xmlns:mc="http://schemas.openxmlformats.org/markup-compatibility/2006" val="SMDATA_16_xzE7ZxMAAAAlAAAAZAAAAA0AAAAAkAAAAEgAAACQAAAASAAAAAAAAAABAAAAAAAAAAEAAABQAAAAAAAAAAAA4D8AAAAAAADgPwAAAAAAAOA/AAAAAAAA4D8AAAAAAADgPwAAAAAAAOA/AAAAAAAA4D8AAAAAAADgPwAAAAAAAOA/AAAAAAAA4D8CAAAAjAAAAAAAAAAAAAAARHLEDP///wgAAAAAAAAAAAAAAAAAAAAAAAAAAAAAAAAAAAAAZAAAAAEAAABAAAAAAAAAAAAAAAAAAAAAAAAAAAAAAAAAAAAAAAAAAAAAAAAAAAAAAAAAAAAAAAAAAAAAAAAAAAAAAAAAAAAAAAAAAAAAAAAAAAAAAAAAAAAAAAAAAAAAFAAAADwAAAAAAAAAAAAAAAAAAAkUAAAAAQAAABQAAAAUAAAAFAAAAAEAAAAAAAAAZAAAAGQAAAAAAAAAZAAAAGQAAAAVAAAAYAAAAAAAAAAAAAAADwAAACADAAAAAAAAAAAAAAEAAACgMgAAVgcAAKr4//8BAAAAf39/AAEAAABkAAAAAAAAABQAAABAHwAAAAAAACYAAAAAAAAAwOD//wAAAAAmAAAAZAAAABYAAABMAAAAAAAAAAAAAAAEAAAAAAAAAAEAAADn5uYKAAAAACgAAAAoAAAAZAAAAGQAAAAAAAAAzMzMAAAAAABQAAAAUAAAAGQAAABkAAAAAAAAABcAAAAUAAAAAAAAAAAAAAD/fwAA/38AAAAAAAAJAAAABAAAAAAAAAAeAAAAaAAAAAAAAAAAAAAAAAAAAAAAAAAAAAAAECcAABAnAAAAAAAAAAAAAAAAAAAAAAAAAAAAAAAAAAAAAAAAAAAAABQAAAAAAAAAwMD/AAAAAABkAAAAMgAAAAAAAABkAAAAAAAAAH9/fwAKAAAAIgAAABgAAAAAAAAAAAAAAAAAAAAAAAAAAAAAAAAAAAAkAAAAJAAAAAAAAAAHAAAAAAAAAAAAAAAAAAAAAAAAAAAAAAAAAAAAf39/ACUAAABYAAAAAAAAAAAAAAAAAAAAAAAAAAAAAAAAAAAAAAAAAAAAAAAAAAAAAAAAAAAAAAA/AAAAAAAAAKCGAQAAAAAAAAAAAAAAAAAMAAAAAQAAAAAAAAAAAAAAAAAAAB8AAABUAAAAAAAABQAAAAEAAAAAAAAAAAAAAAAAAAAAAAAAAAAAAAAAAAAAAAAAAAAAAAJ/f38AAAAAA8zMzADAwP8Af39/AAAAAAAAAAAAAAAAAAAAAAAAAAAAIQAAABgAAAAUAAAAKAUAABonAAAIFgAAWSkAABAAAAAmAAAACAAAAAAAAAAAAAAAMAAAABQAAAAAAAAAAAD//wAAAQAAAP//AAABAA=="/>
               </a:ext>
             </a:extLst>
           </p:cNvSpPr>
@@ -3768,7 +3768,7 @@
             <a:spLocks noGrp="1" noChangeArrowheads="1"/>
             <a:extLst>
               <a:ext uri="smNativeData">
-                <pr:smNativeData xmlns:mc="http://schemas.openxmlformats.org/markup-compatibility/2006" xmlns:p14="http://schemas.microsoft.com/office/powerpoint/2010/main" xmlns:p15="http://schemas.microsoft.com/office/powerpoint/2012/main" xmlns:pr="smNativeData" xmlns="smNativeData" val="SMDATA_16_xzE7ZxMAAAAlAAAAZAAAAA0AAAAAkAAAAEgAAACQAAAASAAAAAAAAAABAAAAAAAAAAEAAABQAAAAAAAAAAAA4D8AAAAAAADgPwAAAAAAAOA/AAAAAAAA4D8AAAAAAADgPwAAAAAAAOA/AAAAAAAA4D8AAAAAAADgPwAAAAAAAOA/AAAAAAAA4D8CAAAAjAAAAAAAAAAAAAAARHLEDP///wgAAAAAAAAAAAAAAAAAAAAAAAAAAAAAAAAAAAAAZAAAAAEAAABAAAAAAAAAAAAAAAAAAAAAAAAAAAAAAAAAAAAAAAAAAAAAAAAAAAAAAAAAAAAAAAAAAAAAAAAAAAAAAAAAAAAAAAAAAAAAAAAAAAAAAAAAAAAAAAAAAAAAFAAAADwAAAAAAAAAAAAAAAAAAAkUAAAAAQAAABQAAAAUAAAAFAAAAAEAAAAAAAAAZAAAAGQAAAAAAAAAZAAAAGQAAAAVAAAAYAAAAAAAAAAAAAAADwAAACADAAAAAAAAAAAAAAEAAACgMgAAVgcAAKr4//8BAAAAf39/AAEAAABkAAAAAAAAABQAAABAHwAAAAAAACYAAAAAAAAAwOD//wAAAAAmAAAAZAAAABYAAABMAAAAAAAAAAAAAAAEAAAAAAAAAAEAAADn5uYKAAAAACgAAAAoAAAAZAAAAGQAAAAAAAAAzMzMAAAAAABQAAAAUAAAAGQAAABkAAAAAAAAABcAAAAUAAAAAAAAAAAAAAD/fwAA/38AAAAAAAAJAAAABAAAAAAAAAAeAAAAaAAAAAAAAAAAAAAAAAAAAAAAAAAAAAAAECcAABAnAAAAAAAAAAAAAAAAAAAAAAAAAAAAAAAAAAAAAAAAAAAAABQAAAAAAAAAwMD/AAAAAABkAAAAMgAAAAAAAABkAAAAAAAAAH9/fwAKAAAAIgAAABgAAAAAAAAAAAAAAAAAAAAAAAAAAAAAAAAAAAAkAAAAJAAAAAAAAAAHAAAAAAAAAAAAAAAAAAAAAAAAAAAAAAAAAAAAf39/ACUAAABYAAAAAAAAAAAAAAAAAAAAAAAAAAAAAAAAAAAAAAAAAAAAAAAAAAAAAAAAAAAAAAA/AAAAAAAAAKCGAQAAAAAAAAAAAAAAAAAMAAAAAQAAAAAAAAAAAAAAAAAAAB8AAABUAAAAAAAABQAAAAEAAAAAAAAAAAAAAAAAAAAAAAAAAAAAAAAAAAAAAAAAAAAAAAJ/f38AAAAAA8zMzADAwP8Af39/AAAAAAAAAAAAAAAAAAAAAAAAAAAAIQAAABgAAAAUAAAA2BgAABonAAAoMgAAWSkAABAAAAAmAAAACAAAAAAAAAAAAAAAMAAAABQAAAAAAAAAAAD//wAAAQAAAP//AAABAA=="/>
+                <pr:smNativeData xmlns="smNativeData" xmlns:pr="smNativeData" xmlns:p15="http://schemas.microsoft.com/office/powerpoint/2012/main" xmlns:p14="http://schemas.microsoft.com/office/powerpoint/2010/main" xmlns:mc="http://schemas.openxmlformats.org/markup-compatibility/2006" val="SMDATA_16_xzE7ZxMAAAAlAAAAZAAAAA0AAAAAkAAAAEgAAACQAAAASAAAAAAAAAABAAAAAAAAAAEAAABQAAAAAAAAAAAA4D8AAAAAAADgPwAAAAAAAOA/AAAAAAAA4D8AAAAAAADgPwAAAAAAAOA/AAAAAAAA4D8AAAAAAADgPwAAAAAAAOA/AAAAAAAA4D8CAAAAjAAAAAAAAAAAAAAARHLEDP///wgAAAAAAAAAAAAAAAAAAAAAAAAAAAAAAAAAAAAAZAAAAAEAAABAAAAAAAAAAAAAAAAAAAAAAAAAAAAAAAAAAAAAAAAAAAAAAAAAAAAAAAAAAAAAAAAAAAAAAAAAAAAAAAAAAAAAAAAAAAAAAAAAAAAAAAAAAAAAAAAAAAAAFAAAADwAAAAAAAAAAAAAAAAAAAkUAAAAAQAAABQAAAAUAAAAFAAAAAEAAAAAAAAAZAAAAGQAAAAAAAAAZAAAAGQAAAAVAAAAYAAAAAAAAAAAAAAADwAAACADAAAAAAAAAAAAAAEAAACgMgAAVgcAAKr4//8BAAAAf39/AAEAAABkAAAAAAAAABQAAABAHwAAAAAAACYAAAAAAAAAwOD//wAAAAAmAAAAZAAAABYAAABMAAAAAAAAAAAAAAAEAAAAAAAAAAEAAADn5uYKAAAAACgAAAAoAAAAZAAAAGQAAAAAAAAAzMzMAAAAAABQAAAAUAAAAGQAAABkAAAAAAAAABcAAAAUAAAAAAAAAAAAAAD/fwAA/38AAAAAAAAJAAAABAAAAAAAAAAeAAAAaAAAAAAAAAAAAAAAAAAAAAAAAAAAAAAAECcAABAnAAAAAAAAAAAAAAAAAAAAAAAAAAAAAAAAAAAAAAAAAAAAABQAAAAAAAAAwMD/AAAAAABkAAAAMgAAAAAAAABkAAAAAAAAAH9/fwAKAAAAIgAAABgAAAAAAAAAAAAAAAAAAAAAAAAAAAAAAAAAAAAkAAAAJAAAAAAAAAAHAAAAAAAAAAAAAAAAAAAAAAAAAAAAAAAAAAAAf39/ACUAAABYAAAAAAAAAAAAAAAAAAAAAAAAAAAAAAAAAAAAAAAAAAAAAAAAAAAAAAAAAAAAAAA/AAAAAAAAAKCGAQAAAAAAAAAAAAAAAAAMAAAAAQAAAAAAAAAAAAAAAAAAAB8AAABUAAAAAAAABQAAAAEAAAAAAAAAAAAAAAAAAAAAAAAAAAAAAAAAAAAAAAAAAAAAAAJ/f38AAAAAA8zMzADAwP8Af39/AAAAAAAAAAAAAAAAAAAAAAAAAAAAIQAAABgAAAAUAAAA2BgAABonAAAoMgAAWSkAABAAAAAmAAAACAAAAAAAAAAAAAAAMAAAABQAAAAAAAAAAAD//wAAAQAAAP//AAABAA=="/>
               </a:ext>
             </a:extLst>
           </p:cNvSpPr>
@@ -3795,7 +3795,7 @@
             <a:spLocks noGrp="1" noChangeArrowheads="1"/>
             <a:extLst>
               <a:ext uri="smNativeData">
-                <pr:smNativeData xmlns:mc="http://schemas.openxmlformats.org/markup-compatibility/2006" xmlns:p14="http://schemas.microsoft.com/office/powerpoint/2010/main" xmlns:p15="http://schemas.microsoft.com/office/powerpoint/2012/main" xmlns:pr="smNativeData" xmlns="smNativeData" val="SMDATA_16_xzE7ZxMAAAAlAAAAZAAAAA0AAAAAkAAAAEgAAACQAAAASAAAAAAAAAABAAAAAAAAAAEAAABQAAAAAAAAAAAA4D8AAAAAAADgPwAAAAAAAOA/AAAAAAAA4D8AAAAAAADgPwAAAAAAAOA/AAAAAAAA4D8AAAAAAADgPwAAAAAAAOA/AAAAAAAA4D8CAAAAjAAAAAAAAAAAAAAARHLEDP///wgAAAAAAAAAAAAAAAAAAAAAAAAAAAAAAAAAAAAAZAAAAAEAAABAAAAAAAAAAAAAAAAAAAAAAAAAAAAAAAAAAAAAAAAAAAAAAAAAAAAAAAAAAAAAAAAAAAAAAAAAAAAAAAAAAAAAAAAAAAAAAAAAAAAAAAAAAAAAAAAAAAAAFAAAADwAAAAAAAAAAAAAAAAAAAkUAAAAAQAAABQAAAAUAAAAFAAAAAEAAAAAAAAAZAAAAGQAAAAAAAAAZAAAAGQAAAAVAAAAYAAAAAAAAAAAAAAADwAAACADAAAAAAAAAAAAAAEAAACgMgAAVgcAAKr4//8BAAAAf39/AAEAAABkAAAAAAAAABQAAABAHwAAAAAAACYAAAAAAAAAwOD//wAAAAAmAAAAZAAAABYAAABMAAAAAAAAAAAAAAAEAAAAAAAAAAEAAADn5uYKAAAAACgAAAAoAAAAZAAAAGQAAAAAAAAAzMzMAAAAAABQAAAAUAAAAGQAAABkAAAAAAAAABcAAAAUAAAAAAAAAAAAAAD/fwAA/38AAAAAAAAJAAAABAAAAAAAAAAeAAAAaAAAAAAAAAAAAAAAAAAAAAAAAAAAAAAAECcAABAnAAAAAAAAAAAAAAAAAAAAAAAAAAAAAAAAAAAAAAAAAAAAABQAAAAAAAAAwMD/AAAAAABkAAAAMgAAAAAAAABkAAAAAAAAAH9/fwAKAAAAIgAAABgAAAAAAAAAAAAAAAAAAAAAAAAAAAAAAAAAAAAkAAAAJAAAAAAAAAAHAAAAAAAAAAAAAAAAAAAAAAAAAAAAAAAAAAAAf39/ACUAAABYAAAAAAAAAAAAAAAAAAAAAAAAAAAAAAAAAAAAAAAAAAAAAAAAAAAAAAAAAAAAAAA/AAAAAAAAAKCGAQAAAAAAAAAAAAAAAAAMAAAAAQAAAAAAAAAAAAAAAAAAAB8AAABUAAAAAAAABQAAAAEAAAAAAAAAAAAAAAAAAAAAAAAAAAAAAAAAAAAAAAAAAAAAAAJ/f38AAAAAA8zMzADAwP8Af39/AAAAAAAAAAAAAAAAAAAAAAAAAAAAIQAAABgAAAAUAAAA+DQAABonAADYRQAAWSkAABAAAAAmAAAACAAAAAAAAAAAAAAAMAAAABQAAAAAAAAAAAD//wAAAQAAAP//AAABAA=="/>
+                <pr:smNativeData xmlns="smNativeData" xmlns:pr="smNativeData" xmlns:p15="http://schemas.microsoft.com/office/powerpoint/2012/main" xmlns:p14="http://schemas.microsoft.com/office/powerpoint/2010/main" xmlns:mc="http://schemas.openxmlformats.org/markup-compatibility/2006" val="SMDATA_16_xzE7ZxMAAAAlAAAAZAAAAA0AAAAAkAAAAEgAAACQAAAASAAAAAAAAAABAAAAAAAAAAEAAABQAAAAAAAAAAAA4D8AAAAAAADgPwAAAAAAAOA/AAAAAAAA4D8AAAAAAADgPwAAAAAAAOA/AAAAAAAA4D8AAAAAAADgPwAAAAAAAOA/AAAAAAAA4D8CAAAAjAAAAAAAAAAAAAAARHLEDP///wgAAAAAAAAAAAAAAAAAAAAAAAAAAAAAAAAAAAAAZAAAAAEAAABAAAAAAAAAAAAAAAAAAAAAAAAAAAAAAAAAAAAAAAAAAAAAAAAAAAAAAAAAAAAAAAAAAAAAAAAAAAAAAAAAAAAAAAAAAAAAAAAAAAAAAAAAAAAAAAAAAAAAFAAAADwAAAAAAAAAAAAAAAAAAAkUAAAAAQAAABQAAAAUAAAAFAAAAAEAAAAAAAAAZAAAAGQAAAAAAAAAZAAAAGQAAAAVAAAAYAAAAAAAAAAAAAAADwAAACADAAAAAAAAAAAAAAEAAACgMgAAVgcAAKr4//8BAAAAf39/AAEAAABkAAAAAAAAABQAAABAHwAAAAAAACYAAAAAAAAAwOD//wAAAAAmAAAAZAAAABYAAABMAAAAAAAAAAAAAAAEAAAAAAAAAAEAAADn5uYKAAAAACgAAAAoAAAAZAAAAGQAAAAAAAAAzMzMAAAAAABQAAAAUAAAAGQAAABkAAAAAAAAABcAAAAUAAAAAAAAAAAAAAD/fwAA/38AAAAAAAAJAAAABAAAAAAAAAAeAAAAaAAAAAAAAAAAAAAAAAAAAAAAAAAAAAAAECcAABAnAAAAAAAAAAAAAAAAAAAAAAAAAAAAAAAAAAAAAAAAAAAAABQAAAAAAAAAwMD/AAAAAABkAAAAMgAAAAAAAABkAAAAAAAAAH9/fwAKAAAAIgAAABgAAAAAAAAAAAAAAAAAAAAAAAAAAAAAAAAAAAAkAAAAJAAAAAAAAAAHAAAAAAAAAAAAAAAAAAAAAAAAAAAAAAAAAAAAf39/ACUAAABYAAAAAAAAAAAAAAAAAAAAAAAAAAAAAAAAAAAAAAAAAAAAAAAAAAAAAAAAAAAAAAA/AAAAAAAAAKCGAQAAAAAAAAAAAAAAAAAMAAAAAQAAAAAAAAAAAAAAAAAAAB8AAABUAAAAAAAABQAAAAEAAAAAAAAAAAAAAAAAAAAAAAAAAAAAAAAAAAAAAAAAAAAAAAJ/f38AAAAAA8zMzADAwP8Af39/AAAAAAAAAAAAAAAAAAAAAAAAAAAAIQAAABgAAAAUAAAA+DQAABonAADYRQAAWSkAABAAAAAmAAAACAAAAAAAAAAAAAAAMAAAABQAAAAAAAAAAAD//wAAAQAAAP//AAABAA=="/>
               </a:ext>
             </a:extLst>
           </p:cNvSpPr>
@@ -3851,7 +3851,7 @@
             <a:spLocks noGrp="1" noChangeArrowheads="1"/>
             <a:extLst>
               <a:ext uri="smNativeData">
-                <pr:smNativeData xmlns:mc="http://schemas.openxmlformats.org/markup-compatibility/2006" xmlns:p14="http://schemas.microsoft.com/office/powerpoint/2010/main" xmlns:p15="http://schemas.microsoft.com/office/powerpoint/2012/main" xmlns:pr="smNativeData" xmlns="smNativeData" val="SMDATA_16_xzE7ZxMAAAAlAAAAZAAAAA0AAAAAkAAAAEgAAACQAAAASAAAAAAAAAACAAAAAAAAAAEAAABQAAAAAAAAAAAA4D8AAAAAAADgPwAAAAAAAOA/AAAAAAAA4D8AAAAAAADgPwAAAAAAAOA/AAAAAAAA4D8AAAAAAADgPwAAAAAAAOA/AAAAAAAA4D8CAAAAjAAAAAAAAAAAAAAARHLEDP///wgAAAAAAAAAAAAAAAAAAAAAAAAAAAAAAAAAAAAAZAAAAAEAAABAAAAAAAAAAAAAAAAAAAAAAAAAAAAAAAAAAAAAAAAAAAAAAAAAAAAAAAAAAAAAAAAAAAAAAAAAAAAAAAAAAAAAAAAAAAAAAAAAAAAAAAAAAAAAAAAAAAAAFAAAADwAAAAAAAAAAAAAAAAAAAkUAAAAAQAAABQAAAAUAAAAFAAAAAEAAAAAAAAAZAAAAGQAAAAAAAAAZAAAAGQAAAAVAAAAYAAAAAAAAAAAAAAADwAAACADAAAAAAAAAAAAAAEAAACgMgAAVgcAAKr4//8BAAAAf39/AAEAAABkAAAAAAAAABQAAABAHwAAAAAAACYAAAAAAAAAwOD//wAAAAAmAAAAZAAAABYAAABMAAAAAAAAAAAAAAAEAAAAAAAAAAEAAADn5uYKAAAAACgAAAAoAAAAZAAAAGQAAAAAAAAAzMzMAAAAAABQAAAAUAAAAGQAAABkAAAAAAAAABcAAAAUAAAAAAAAAAAAAAD/fwAA/38AAAAAAAAJAAAABAAAAAAAAAAeAAAAaAAAAAAAAAAAAAAAAAAAAAAAAAAAAAAAECcAABAnAAAAAAAAAAAAAAAAAAAAAAAAAAAAAAAAAAAAAAAAAAAAABQAAAAAAAAAwMD/AAAAAABkAAAAMgAAAAAAAABkAAAAAAAAAH9/fwAKAAAAIgAAABgAAAAAAAAAAAAAAAAAAAAAAAAAAAAAAAAAAAAkAAAAJAAAAAAAAAAHAAAAAAAAAAAAAAAAAAAAAAAAAAAAAAAAAAAAf39/ACUAAABYAAAAAAAAAAAAAAAAAAAAAAAAAAAAAAAAAAAAAAAAAAAAAAAAAAAAAAAAAAAAAAA/AAAAAAAAAKCGAQAAAAAAAAAAAAAAAAAMAAAAAQAAAAAAAAAAAAAAAAAAAB8AAABUAAAAAAAABQAAAAEAAAAAAAAAAAAAAAAAAAAAAAAAAAAAAAAAAAAAAAAAAAAAAAJ/f38AAAAAA8zMzADAwP8Af39/AAAAAAAAAAAAAAAAAAAAAAAAAAAAIQAAABgAAAAUAAAAKwUAANACAABbHQAAqAwAABAAAAAmAAAACAAAAIGAAAAAAAAAMAAAABQAAAAAAAAAAAD//wAAAQAAAP//AAABAA=="/>
+                <pr:smNativeData xmlns="smNativeData" xmlns:pr="smNativeData" xmlns:p15="http://schemas.microsoft.com/office/powerpoint/2012/main" xmlns:p14="http://schemas.microsoft.com/office/powerpoint/2010/main" xmlns:mc="http://schemas.openxmlformats.org/markup-compatibility/2006" val="SMDATA_16_xzE7ZxMAAAAlAAAAZAAAAA0AAAAAkAAAAEgAAACQAAAASAAAAAAAAAACAAAAAAAAAAEAAABQAAAAAAAAAAAA4D8AAAAAAADgPwAAAAAAAOA/AAAAAAAA4D8AAAAAAADgPwAAAAAAAOA/AAAAAAAA4D8AAAAAAADgPwAAAAAAAOA/AAAAAAAA4D8CAAAAjAAAAAAAAAAAAAAARHLEDP///wgAAAAAAAAAAAAAAAAAAAAAAAAAAAAAAAAAAAAAZAAAAAEAAABAAAAAAAAAAAAAAAAAAAAAAAAAAAAAAAAAAAAAAAAAAAAAAAAAAAAAAAAAAAAAAAAAAAAAAAAAAAAAAAAAAAAAAAAAAAAAAAAAAAAAAAAAAAAAAAAAAAAAFAAAADwAAAAAAAAAAAAAAAAAAAkUAAAAAQAAABQAAAAUAAAAFAAAAAEAAAAAAAAAZAAAAGQAAAAAAAAAZAAAAGQAAAAVAAAAYAAAAAAAAAAAAAAADwAAACADAAAAAAAAAAAAAAEAAACgMgAAVgcAAKr4//8BAAAAf39/AAEAAABkAAAAAAAAABQAAABAHwAAAAAAACYAAAAAAAAAwOD//wAAAAAmAAAAZAAAABYAAABMAAAAAAAAAAAAAAAEAAAAAAAAAAEAAADn5uYKAAAAACgAAAAoAAAAZAAAAGQAAAAAAAAAzMzMAAAAAABQAAAAUAAAAGQAAABkAAAAAAAAABcAAAAUAAAAAAAAAAAAAAD/fwAA/38AAAAAAAAJAAAABAAAAAAAAAAeAAAAaAAAAAAAAAAAAAAAAAAAAAAAAAAAAAAAECcAABAnAAAAAAAAAAAAAAAAAAAAAAAAAAAAAAAAAAAAAAAAAAAAABQAAAAAAAAAwMD/AAAAAABkAAAAMgAAAAAAAABkAAAAAAAAAH9/fwAKAAAAIgAAABgAAAAAAAAAAAAAAAAAAAAAAAAAAAAAAAAAAAAkAAAAJAAAAAAAAAAHAAAAAAAAAAAAAAAAAAAAAAAAAAAAAAAAAAAAf39/ACUAAABYAAAAAAAAAAAAAAAAAAAAAAAAAAAAAAAAAAAAAAAAAAAAAAAAAAAAAAAAAAAAAAA/AAAAAAAAAKCGAQAAAAAAAAAAAAAAAAAMAAAAAQAAAAAAAAAAAAAAAAAAAB8AAABUAAAAAAAABQAAAAEAAAAAAAAAAAAAAAAAAAAAAAAAAAAAAAAAAAAAAAAAAAAAAAJ/f38AAAAAA8zMzADAwP8Af39/AAAAAAAAAAAAAAAAAAAAAAAAAAAAIQAAABgAAAAUAAAAKwUAANACAABbHQAAqAwAABAAAAAmAAAACAAAAIGAAAAAAAAAMAAAABQAAAAAAAAAAAD//wAAAQAAAP//AAABAA=="/>
               </a:ext>
             </a:extLst>
           </p:cNvSpPr>
@@ -3917,7 +3917,7 @@
             <a:spLocks noGrp="1" noChangeArrowheads="1"/>
             <a:extLst>
               <a:ext uri="smNativeData">
-                <pr:smNativeData xmlns:mc="http://schemas.openxmlformats.org/markup-compatibility/2006" xmlns:p14="http://schemas.microsoft.com/office/powerpoint/2010/main" xmlns:p15="http://schemas.microsoft.com/office/powerpoint/2012/main" xmlns:pr="smNativeData" xmlns="smNativeData" val="SMDATA_16_xzE7ZxMAAAAlAAAAZAAAAA0AAAAAkAAAAEgAAACQAAAASAAAAAAAAAAAAAAAAAAAAAEAAABQAAAAAAAAAAAA4D8AAAAAAADgPwAAAAAAAOA/AAAAAAAA4D8AAAAAAADgPwAAAAAAAOA/AAAAAAAA4D8AAAAAAADgPwAAAAAAAOA/AAAAAAAA4D8CAAAAjAAAAAAAAAAAAAAARHLEDP///wgAAAAAAAAAAAAAAAAAAAAAAAAAAAAAAAAAAAAAZAAAAAEAAABAAAAAAAAAAAAAAAAAAAAAAAAAAAAAAAAAAAAAAAAAAAAAAAAAAAAAAAAAAAAAAAAAAAAAAAAAAAAAAAAAAAAAAAAAAAAAAAAAAAAAAAAAAAAAAAAAAAAAFAAAADwAAAAAAAAAAAAAAAAAAAkUAAAAAQAAABQAAAAUAAAAFAAAAAEAAAAAAAAAZAAAAGQAAAAAAAAAZAAAAGQAAAAVAAAAYAAAAAAAAAAAAAAADwAAACADAAAAAAAAAAAAAAEAAACgMgAAVgcAAKr4//8BAAAAf39/AAEAAABkAAAAAAAAABQAAABAHwAAAAAAACYAAAAAAAAAwOD//wAAAAAmAAAAZAAAABYAAABMAAAAAAAAAAAAAAAEAAAAAAAAAAEAAADn5uYKAAAAACgAAAAoAAAAZAAAAGQAAAAAAAAAzMzMAAAAAABQAAAAUAAAAGQAAABkAAAAAAAAABcAAAAUAAAAAAAAAAAAAAD/fwAA/38AAAAAAAAJAAAABAAAAAAAAAAeAAAAaAAAAAAAAAAAAAAAAAAAAAAAAAAAAAAAECcAABAnAAAAAAAAAAAAAAAAAAAAAAAAAAAAAAAAAAAAAAAAAAAAABQAAAAAAAAAwMD/AAAAAABkAAAAMgAAAAAAAABkAAAAAAAAAH9/fwAKAAAAIgAAABgAAAAAAAAAAAAAAAAAAAAAAAAAAAAAAAAAAAAkAAAAJAAAAAAAAAAHAAAAAAAAAAAAAAAAAAAAAAAAAAAAAAAAAAAAf39/ACUAAABYAAAAAAAAAAAAAAAAAAAAAAAAAAAAAAAAAAAAAAAAAAAAAAAAAAAAAAAAAAAAAAA/AAAAAAAAAKCGAQAAAAAAAAAAAAAAAAAMAAAAAQAAAAAAAAAAAAAAAAAAAB8AAABUAAAAAAAABQAAAAEAAAAAAAAAAAAAAAAAAAAAAAAAAAAAAAAAAAAAAAAAAAAAAAJ/f38AAAAAA8zMzADAwP8Af39/AAAAAAAAAAAAAAAAAAAAAAAAAAAAIQAAABgAAAAUAAAA4x8AABMGAADbRQAADiQAABAAAAAmAAAACAAAAAGAAAAAAAAAMAAAABQAAAAAAAAAAAD//wAAAQAAAP//AAABAA=="/>
+                <pr:smNativeData xmlns="smNativeData" xmlns:pr="smNativeData" xmlns:p15="http://schemas.microsoft.com/office/powerpoint/2012/main" xmlns:p14="http://schemas.microsoft.com/office/powerpoint/2010/main" xmlns:mc="http://schemas.openxmlformats.org/markup-compatibility/2006" val="SMDATA_16_xzE7ZxMAAAAlAAAAZAAAAA0AAAAAkAAAAEgAAACQAAAASAAAAAAAAAAAAAAAAAAAAAEAAABQAAAAAAAAAAAA4D8AAAAAAADgPwAAAAAAAOA/AAAAAAAA4D8AAAAAAADgPwAAAAAAAOA/AAAAAAAA4D8AAAAAAADgPwAAAAAAAOA/AAAAAAAA4D8CAAAAjAAAAAAAAAAAAAAARHLEDP///wgAAAAAAAAAAAAAAAAAAAAAAAAAAAAAAAAAAAAAZAAAAAEAAABAAAAAAAAAAAAAAAAAAAAAAAAAAAAAAAAAAAAAAAAAAAAAAAAAAAAAAAAAAAAAAAAAAAAAAAAAAAAAAAAAAAAAAAAAAAAAAAAAAAAAAAAAAAAAAAAAAAAAFAAAADwAAAAAAAAAAAAAAAAAAAkUAAAAAQAAABQAAAAUAAAAFAAAAAEAAAAAAAAAZAAAAGQAAAAAAAAAZAAAAGQAAAAVAAAAYAAAAAAAAAAAAAAADwAAACADAAAAAAAAAAAAAAEAAACgMgAAVgcAAKr4//8BAAAAf39/AAEAAABkAAAAAAAAABQAAABAHwAAAAAAACYAAAAAAAAAwOD//wAAAAAmAAAAZAAAABYAAABMAAAAAAAAAAAAAAAEAAAAAAAAAAEAAADn5uYKAAAAACgAAAAoAAAAZAAAAGQAAAAAAAAAzMzMAAAAAABQAAAAUAAAAGQAAABkAAAAAAAAABcAAAAUAAAAAAAAAAAAAAD/fwAA/38AAAAAAAAJAAAABAAAAAAAAAAeAAAAaAAAAAAAAAAAAAAAAAAAAAAAAAAAAAAAECcAABAnAAAAAAAAAAAAAAAAAAAAAAAAAAAAAAAAAAAAAAAAAAAAABQAAAAAAAAAwMD/AAAAAABkAAAAMgAAAAAAAABkAAAAAAAAAH9/fwAKAAAAIgAAABgAAAAAAAAAAAAAAAAAAAAAAAAAAAAAAAAAAAAkAAAAJAAAAAAAAAAHAAAAAAAAAAAAAAAAAAAAAAAAAAAAAAAAAAAAf39/ACUAAABYAAAAAAAAAAAAAAAAAAAAAAAAAAAAAAAAAAAAAAAAAAAAAAAAAAAAAAAAAAAAAAA/AAAAAAAAAKCGAQAAAAAAAAAAAAAAAAAMAAAAAQAAAAAAAAAAAAAAAAAAAB8AAABUAAAAAAAABQAAAAEAAAAAAAAAAAAAAAAAAAAAAAAAAAAAAAAAAAAAAAAAAAAAAAJ/f38AAAAAA8zMzADAwP8Af39/AAAAAAAAAAAAAAAAAAAAAAAAAAAAIQAAABgAAAAUAAAA4x8AABMGAADbRQAADiQAABAAAAAmAAAACAAAAAGAAAAAAAAAMAAAABQAAAAAAAAAAAD//wAAAQAAAP//AAABAA=="/>
               </a:ext>
             </a:extLst>
           </p:cNvSpPr>
@@ -3986,7 +3986,7 @@
             <a:spLocks noGrp="1" noChangeArrowheads="1"/>
             <a:extLst>
               <a:ext uri="smNativeData">
-                <pr:smNativeData xmlns:mc="http://schemas.openxmlformats.org/markup-compatibility/2006" xmlns:p14="http://schemas.microsoft.com/office/powerpoint/2010/main" xmlns:p15="http://schemas.microsoft.com/office/powerpoint/2012/main" xmlns:pr="smNativeData" xmlns="smNativeData" val="SMDATA_16_xzE7ZxMAAAAlAAAAZAAAAA0AAAAAkAAAAEgAAACQAAAASAAAAAAAAAAAAAAAAAAAAAEAAABQAAAAAAAAAAAA4D8AAAAAAADgPwAAAAAAAOA/AAAAAAAA4D8AAAAAAADgPwAAAAAAAOA/AAAAAAAA4D8AAAAAAADgPwAAAAAAAOA/AAAAAAAA4D8CAAAAjAAAAAAAAAAAAAAARHLEDP///wgAAAAAAAAAAAAAAAAAAAAAAAAAAAAAAAAAAAAAZAAAAAEAAABAAAAAAAAAAAAAAAAAAAAAAAAAAAAAAAAAAAAAAAAAAAAAAAAAAAAAAAAAAAAAAAAAAAAAAAAAAAAAAAAAAAAAAAAAAAAAAAAAAAAAAAAAAAAAAAAAAAAAFAAAADwAAAAAAAAAAAAAAAAAAAkUAAAAAQAAABQAAAAUAAAAFAAAAAEAAAAAAAAAZAAAAGQAAAAAAAAAZAAAAGQAAAAVAAAAYAAAAAAAAAAAAAAADwAAACADAAAAAAAAAAAAAAEAAACgMgAAVgcAAKr4//8BAAAAf39/AAEAAABkAAAAAAAAABQAAABAHwAAAAAAACYAAAAAAAAAwOD//wAAAAAmAAAAZAAAABYAAABMAAAAAAAAAAAAAAAEAAAAAAAAAAEAAADn5uYKAAAAACgAAAAoAAAAZAAAAGQAAAAAAAAAzMzMAAAAAABQAAAAUAAAAGQAAABkAAAAAAAAABcAAAAUAAAAAAAAAAAAAAD/fwAA/38AAAAAAAAJAAAABAAAAAAAAAAeAAAAaAAAAAAAAAAAAAAAAAAAAAAAAAAAAAAAECcAABAnAAAAAAAAAAAAAAAAAAAAAAAAAAAAAAAAAAAAAAAAAAAAABQAAAAAAAAAwMD/AAAAAABkAAAAMgAAAAAAAABkAAAAAAAAAH9/fwAKAAAAIgAAABgAAAAAAAAAAAAAAAAAAAAAAAAAAAAAAAAAAAAkAAAAJAAAAAAAAAAHAAAAAAAAAAAAAAAAAAAAAAAAAAAAAAAAAAAAf39/ACUAAABYAAAAAAAAAAAAAAAAAAAAAAAAAAAAAAAAAAAAAAAAAAAAAAAAAAAAAAAAAAAAAAA/AAAAAAAAAKCGAQAAAAAAAAAAAAAAAAAMAAAAAQAAAAAAAAAAAAAAAAAAAB8AAABUAAAAAAAABQAAAAEAAAAAAAAAAAAAAAAAAAAAAAAAAAAAAAAAAAAAAAAAAAAAAAJ/f38AAAAAA8zMzADAwP8Af39/AAAAAAAAAAAAAAAAAAAAAAAAAAAAIQAAABgAAAAUAAAAKwUAAKgMAABbHQAAGyQAABAAAAAmAAAACAAAAAGAAAAAAAAAMAAAABQAAAAAAAAAAAD//wAAAQAAAP//AAABAA=="/>
+                <pr:smNativeData xmlns="smNativeData" xmlns:pr="smNativeData" xmlns:p15="http://schemas.microsoft.com/office/powerpoint/2012/main" xmlns:p14="http://schemas.microsoft.com/office/powerpoint/2010/main" xmlns:mc="http://schemas.openxmlformats.org/markup-compatibility/2006" val="SMDATA_16_xzE7ZxMAAAAlAAAAZAAAAA0AAAAAkAAAAEgAAACQAAAASAAAAAAAAAAAAAAAAAAAAAEAAABQAAAAAAAAAAAA4D8AAAAAAADgPwAAAAAAAOA/AAAAAAAA4D8AAAAAAADgPwAAAAAAAOA/AAAAAAAA4D8AAAAAAADgPwAAAAAAAOA/AAAAAAAA4D8CAAAAjAAAAAAAAAAAAAAARHLEDP///wgAAAAAAAAAAAAAAAAAAAAAAAAAAAAAAAAAAAAAZAAAAAEAAABAAAAAAAAAAAAAAAAAAAAAAAAAAAAAAAAAAAAAAAAAAAAAAAAAAAAAAAAAAAAAAAAAAAAAAAAAAAAAAAAAAAAAAAAAAAAAAAAAAAAAAAAAAAAAAAAAAAAAFAAAADwAAAAAAAAAAAAAAAAAAAkUAAAAAQAAABQAAAAUAAAAFAAAAAEAAAAAAAAAZAAAAGQAAAAAAAAAZAAAAGQAAAAVAAAAYAAAAAAAAAAAAAAADwAAACADAAAAAAAAAAAAAAEAAACgMgAAVgcAAKr4//8BAAAAf39/AAEAAABkAAAAAAAAABQAAABAHwAAAAAAACYAAAAAAAAAwOD//wAAAAAmAAAAZAAAABYAAABMAAAAAAAAAAAAAAAEAAAAAAAAAAEAAADn5uYKAAAAACgAAAAoAAAAZAAAAGQAAAAAAAAAzMzMAAAAAABQAAAAUAAAAGQAAABkAAAAAAAAABcAAAAUAAAAAAAAAAAAAAD/fwAA/38AAAAAAAAJAAAABAAAAAAAAAAeAAAAaAAAAAAAAAAAAAAAAAAAAAAAAAAAAAAAECcAABAnAAAAAAAAAAAAAAAAAAAAAAAAAAAAAAAAAAAAAAAAAAAAABQAAAAAAAAAwMD/AAAAAABkAAAAMgAAAAAAAABkAAAAAAAAAH9/fwAKAAAAIgAAABgAAAAAAAAAAAAAAAAAAAAAAAAAAAAAAAAAAAAkAAAAJAAAAAAAAAAHAAAAAAAAAAAAAAAAAAAAAAAAAAAAAAAAAAAAf39/ACUAAABYAAAAAAAAAAAAAAAAAAAAAAAAAAAAAAAAAAAAAAAAAAAAAAAAAAAAAAAAAAAAAAA/AAAAAAAAAKCGAQAAAAAAAAAAAAAAAAAMAAAAAQAAAAAAAAAAAAAAAAAAAB8AAABUAAAAAAAABQAAAAEAAAAAAAAAAAAAAAAAAAAAAAAAAAAAAAAAAAAAAAAAAAAAAAJ/f38AAAAAA8zMzADAwP8Af39/AAAAAAAAAAAAAAAAAAAAAAAAAAAAIQAAABgAAAAUAAAAKwUAAKgMAABbHQAAGyQAABAAAAAmAAAACAAAAAGAAAAAAAAAMAAAABQAAAAAAAAAAAD//wAAAQAAAP//AAABAA=="/>
               </a:ext>
             </a:extLst>
           </p:cNvSpPr>
@@ -4057,7 +4057,7 @@
             <a:spLocks noGrp="1" noChangeArrowheads="1"/>
             <a:extLst>
               <a:ext uri="smNativeData">
-                <pr:smNativeData xmlns:mc="http://schemas.openxmlformats.org/markup-compatibility/2006" xmlns:p14="http://schemas.microsoft.com/office/powerpoint/2010/main" xmlns:p15="http://schemas.microsoft.com/office/powerpoint/2012/main" xmlns:pr="smNativeData" xmlns="smNativeData" val="SMDATA_16_xzE7ZxMAAAAlAAAAZAAAAA0AAAAAkAAAAEgAAACQAAAASAAAAAAAAAABAAAAAAAAAAEAAABQAAAAAAAAAAAA4D8AAAAAAADgPwAAAAAAAOA/AAAAAAAA4D8AAAAAAADgPwAAAAAAAOA/AAAAAAAA4D8AAAAAAADgPwAAAAAAAOA/AAAAAAAA4D8CAAAAjAAAAAAAAAAAAAAARHLEDP///wgAAAAAAAAAAAAAAAAAAAAAAAAAAAAAAAAAAAAAZAAAAAEAAABAAAAAAAAAAAAAAAAAAAAAAAAAAAAAAAAAAAAAAAAAAAAAAAAAAAAAAAAAAAAAAAAAAAAAAAAAAAAAAAAAAAAAAAAAAAAAAAAAAAAAAAAAAAAAAAAAAAAAFAAAADwAAAAAAAAAAAAAAAAAAAkUAAAAAQAAABQAAAAUAAAAFAAAAAEAAAAAAAAAZAAAAGQAAAAAAAAAZAAAAGQAAAAVAAAAYAAAAAAAAAAAAAAADwAAACADAAAAAAAAAAAAAAEAAACgMgAAVgcAAKr4//8BAAAAf39/AAEAAABkAAAAAAAAABQAAABAHwAAAAAAACYAAAAAAAAAwOD//wAAAAAmAAAAZAAAABYAAABMAAAAAAAAAAAAAAAEAAAAAAAAAAEAAADn5uYKAAAAACgAAAAoAAAAZAAAAGQAAAAAAAAAzMzMAAAAAABQAAAAUAAAAGQAAABkAAAAAAAAABcAAAAUAAAAAAAAAAAAAAD/fwAA/38AAAAAAAAJAAAABAAAAAAAAAAeAAAAaAAAAAAAAAAAAAAAAAAAAAAAAAAAAAAAECcAABAnAAAAAAAAAAAAAAAAAAAAAAAAAAAAAAAAAAAAAAAAAAAAABQAAAAAAAAAwMD/AAAAAABkAAAAMgAAAAAAAABkAAAAAAAAAH9/fwAKAAAAIgAAABgAAAAAAAAAAAAAAAAAAAAAAAAAAAAAAAAAAAAkAAAAJAAAAAAAAAAHAAAAAAAAAAAAAAAAAAAAAAAAAAAAAAAAAAAAf39/ACUAAABYAAAAAAAAAAAAAAAAAAAAAAAAAAAAAAAAAAAAAAAAAAAAAAAAAAAAAAAAAAAAAAA/AAAAAAAAAKCGAQAAAAAAAAAAAAAAAAAMAAAAAQAAAAAAAAAAAAAAAAAAAB8AAABUAAAAAAAABQAAAAEAAAAAAAAAAAAAAAAAAAAAAAAAAAAAAAAAAAAAAAAAAAAAAAJ/f38AAAAAA8zMzADAwP8Af39/AAAAAAAAAAAAAAAAAAAAAAAAAAAAIQAAABgAAAAUAAAAKAUAABonAAAIFgAAWSkAABAAAAAmAAAACAAAAAAAAAAAAAAAMAAAABQAAAAAAAAAAAD//wAAAQAAAP//AAABAA=="/>
+                <pr:smNativeData xmlns="smNativeData" xmlns:pr="smNativeData" xmlns:p15="http://schemas.microsoft.com/office/powerpoint/2012/main" xmlns:p14="http://schemas.microsoft.com/office/powerpoint/2010/main" xmlns:mc="http://schemas.openxmlformats.org/markup-compatibility/2006" val="SMDATA_16_xzE7ZxMAAAAlAAAAZAAAAA0AAAAAkAAAAEgAAACQAAAASAAAAAAAAAABAAAAAAAAAAEAAABQAAAAAAAAAAAA4D8AAAAAAADgPwAAAAAAAOA/AAAAAAAA4D8AAAAAAADgPwAAAAAAAOA/AAAAAAAA4D8AAAAAAADgPwAAAAAAAOA/AAAAAAAA4D8CAAAAjAAAAAAAAAAAAAAARHLEDP///wgAAAAAAAAAAAAAAAAAAAAAAAAAAAAAAAAAAAAAZAAAAAEAAABAAAAAAAAAAAAAAAAAAAAAAAAAAAAAAAAAAAAAAAAAAAAAAAAAAAAAAAAAAAAAAAAAAAAAAAAAAAAAAAAAAAAAAAAAAAAAAAAAAAAAAAAAAAAAAAAAAAAAFAAAADwAAAAAAAAAAAAAAAAAAAkUAAAAAQAAABQAAAAUAAAAFAAAAAEAAAAAAAAAZAAAAGQAAAAAAAAAZAAAAGQAAAAVAAAAYAAAAAAAAAAAAAAADwAAACADAAAAAAAAAAAAAAEAAACgMgAAVgcAAKr4//8BAAAAf39/AAEAAABkAAAAAAAAABQAAABAHwAAAAAAACYAAAAAAAAAwOD//wAAAAAmAAAAZAAAABYAAABMAAAAAAAAAAAAAAAEAAAAAAAAAAEAAADn5uYKAAAAACgAAAAoAAAAZAAAAGQAAAAAAAAAzMzMAAAAAABQAAAAUAAAAGQAAABkAAAAAAAAABcAAAAUAAAAAAAAAAAAAAD/fwAA/38AAAAAAAAJAAAABAAAAAAAAAAeAAAAaAAAAAAAAAAAAAAAAAAAAAAAAAAAAAAAECcAABAnAAAAAAAAAAAAAAAAAAAAAAAAAAAAAAAAAAAAAAAAAAAAABQAAAAAAAAAwMD/AAAAAABkAAAAMgAAAAAAAABkAAAAAAAAAH9/fwAKAAAAIgAAABgAAAAAAAAAAAAAAAAAAAAAAAAAAAAAAAAAAAAkAAAAJAAAAAAAAAAHAAAAAAAAAAAAAAAAAAAAAAAAAAAAAAAAAAAAf39/ACUAAABYAAAAAAAAAAAAAAAAAAAAAAAAAAAAAAAAAAAAAAAAAAAAAAAAAAAAAAAAAAAAAAA/AAAAAAAAAKCGAQAAAAAAAAAAAAAAAAAMAAAAAQAAAAAAAAAAAAAAAAAAAB8AAABUAAAAAAAABQAAAAEAAAAAAAAAAAAAAAAAAAAAAAAAAAAAAAAAAAAAAAAAAAAAAAJ/f38AAAAAA8zMzADAwP8Af39/AAAAAAAAAAAAAAAAAAAAAAAAAAAAIQAAABgAAAAUAAAAKAUAABonAAAIFgAAWSkAABAAAAAmAAAACAAAAAAAAAAAAAAAMAAAABQAAAAAAAAAAAD//wAAAQAAAP//AAABAA=="/>
               </a:ext>
             </a:extLst>
           </p:cNvSpPr>
@@ -4087,7 +4087,7 @@
             <a:spLocks noGrp="1" noChangeArrowheads="1"/>
             <a:extLst>
               <a:ext uri="smNativeData">
-                <pr:smNativeData xmlns:mc="http://schemas.openxmlformats.org/markup-compatibility/2006" xmlns:p14="http://schemas.microsoft.com/office/powerpoint/2010/main" xmlns:p15="http://schemas.microsoft.com/office/powerpoint/2012/main" xmlns:pr="smNativeData" xmlns="smNativeData" val="SMDATA_16_xzE7ZxMAAAAlAAAAZAAAAA0AAAAAkAAAAEgAAACQAAAASAAAAAAAAAABAAAAAAAAAAEAAABQAAAAAAAAAAAA4D8AAAAAAADgPwAAAAAAAOA/AAAAAAAA4D8AAAAAAADgPwAAAAAAAOA/AAAAAAAA4D8AAAAAAADgPwAAAAAAAOA/AAAAAAAA4D8CAAAAjAAAAAAAAAAAAAAARHLEDP///wgAAAAAAAAAAAAAAAAAAAAAAAAAAAAAAAAAAAAAZAAAAAEAAABAAAAAAAAAAAAAAAAAAAAAAAAAAAAAAAAAAAAAAAAAAAAAAAAAAAAAAAAAAAAAAAAAAAAAAAAAAAAAAAAAAAAAAAAAAAAAAAAAAAAAAAAAAAAAAAAAAAAAFAAAADwAAAAAAAAAAAAAAAAAAAkUAAAAAQAAABQAAAAUAAAAFAAAAAEAAAAAAAAAZAAAAGQAAAAAAAAAZAAAAGQAAAAVAAAAYAAAAAAAAAAAAAAADwAAACADAAAAAAAAAAAAAAEAAACgMgAAVgcAAKr4//8BAAAAf39/AAEAAABkAAAAAAAAABQAAABAHwAAAAAAACYAAAAAAAAAwOD//wAAAAAmAAAAZAAAABYAAABMAAAAAAAAAAAAAAAEAAAAAAAAAAEAAADn5uYKAAAAACgAAAAoAAAAZAAAAGQAAAAAAAAAzMzMAAAAAABQAAAAUAAAAGQAAABkAAAAAAAAABcAAAAUAAAAAAAAAAAAAAD/fwAA/38AAAAAAAAJAAAABAAAAAAAAAAeAAAAaAAAAAAAAAAAAAAAAAAAAAAAAAAAAAAAECcAABAnAAAAAAAAAAAAAAAAAAAAAAAAAAAAAAAAAAAAAAAAAAAAABQAAAAAAAAAwMD/AAAAAABkAAAAMgAAAAAAAABkAAAAAAAAAH9/fwAKAAAAIgAAABgAAAAAAAAAAAAAAAAAAAAAAAAAAAAAAAAAAAAkAAAAJAAAAAAAAAAHAAAAAAAAAAAAAAAAAAAAAAAAAAAAAAAAAAAAf39/ACUAAABYAAAAAAAAAAAAAAAAAAAAAAAAAAAAAAAAAAAAAAAAAAAAAAAAAAAAAAAAAAAAAAA/AAAAAAAAAKCGAQAAAAAAAAAAAAAAAAAMAAAAAQAAAAAAAAAAAAAAAAAAAB8AAABUAAAAAAAABQAAAAEAAAAAAAAAAAAAAAAAAAAAAAAAAAAAAAAAAAAAAAAAAAAAAAJ/f38AAAAAA8zMzADAwP8Af39/AAAAAAAAAAAAAAAAAAAAAAAAAAAAIQAAABgAAAAUAAAA2BgAABonAAAoMgAAWSkAABAAAAAmAAAACAAAAAAAAAAAAAAAMAAAABQAAAAAAAAAAAD//wAAAQAAAP//AAABAA=="/>
+                <pr:smNativeData xmlns="smNativeData" xmlns:pr="smNativeData" xmlns:p15="http://schemas.microsoft.com/office/powerpoint/2012/main" xmlns:p14="http://schemas.microsoft.com/office/powerpoint/2010/main" xmlns:mc="http://schemas.openxmlformats.org/markup-compatibility/2006" val="SMDATA_16_xzE7ZxMAAAAlAAAAZAAAAA0AAAAAkAAAAEgAAACQAAAASAAAAAAAAAABAAAAAAAAAAEAAABQAAAAAAAAAAAA4D8AAAAAAADgPwAAAAAAAOA/AAAAAAAA4D8AAAAAAADgPwAAAAAAAOA/AAAAAAAA4D8AAAAAAADgPwAAAAAAAOA/AAAAAAAA4D8CAAAAjAAAAAAAAAAAAAAARHLEDP///wgAAAAAAAAAAAAAAAAAAAAAAAAAAAAAAAAAAAAAZAAAAAEAAABAAAAAAAAAAAAAAAAAAAAAAAAAAAAAAAAAAAAAAAAAAAAAAAAAAAAAAAAAAAAAAAAAAAAAAAAAAAAAAAAAAAAAAAAAAAAAAAAAAAAAAAAAAAAAAAAAAAAAFAAAADwAAAAAAAAAAAAAAAAAAAkUAAAAAQAAABQAAAAUAAAAFAAAAAEAAAAAAAAAZAAAAGQAAAAAAAAAZAAAAGQAAAAVAAAAYAAAAAAAAAAAAAAADwAAACADAAAAAAAAAAAAAAEAAACgMgAAVgcAAKr4//8BAAAAf39/AAEAAABkAAAAAAAAABQAAABAHwAAAAAAACYAAAAAAAAAwOD//wAAAAAmAAAAZAAAABYAAABMAAAAAAAAAAAAAAAEAAAAAAAAAAEAAADn5uYKAAAAACgAAAAoAAAAZAAAAGQAAAAAAAAAzMzMAAAAAABQAAAAUAAAAGQAAABkAAAAAAAAABcAAAAUAAAAAAAAAAAAAAD/fwAA/38AAAAAAAAJAAAABAAAAAAAAAAeAAAAaAAAAAAAAAAAAAAAAAAAAAAAAAAAAAAAECcAABAnAAAAAAAAAAAAAAAAAAAAAAAAAAAAAAAAAAAAAAAAAAAAABQAAAAAAAAAwMD/AAAAAABkAAAAMgAAAAAAAABkAAAAAAAAAH9/fwAKAAAAIgAAABgAAAAAAAAAAAAAAAAAAAAAAAAAAAAAAAAAAAAkAAAAJAAAAAAAAAAHAAAAAAAAAAAAAAAAAAAAAAAAAAAAAAAAAAAAf39/ACUAAABYAAAAAAAAAAAAAAAAAAAAAAAAAAAAAAAAAAAAAAAAAAAAAAAAAAAAAAAAAAAAAAA/AAAAAAAAAKCGAQAAAAAAAAAAAAAAAAAMAAAAAQAAAAAAAAAAAAAAAAAAAB8AAABUAAAAAAAABQAAAAEAAAAAAAAAAAAAAAAAAAAAAAAAAAAAAAAAAAAAAAAAAAAAAAJ/f38AAAAAA8zMzADAwP8Af39/AAAAAAAAAAAAAAAAAAAAAAAAAAAAIQAAABgAAAAUAAAA2BgAABonAAAoMgAAWSkAABAAAAAmAAAACAAAAAAAAAAAAAAAMAAAABQAAAAAAAAAAAD//wAAAQAAAP//AAABAA=="/>
               </a:ext>
             </a:extLst>
           </p:cNvSpPr>
@@ -4114,7 +4114,7 @@
             <a:spLocks noGrp="1" noChangeArrowheads="1"/>
             <a:extLst>
               <a:ext uri="smNativeData">
-                <pr:smNativeData xmlns:mc="http://schemas.openxmlformats.org/markup-compatibility/2006" xmlns:p14="http://schemas.microsoft.com/office/powerpoint/2010/main" xmlns:p15="http://schemas.microsoft.com/office/powerpoint/2012/main" xmlns:pr="smNativeData" xmlns="smNativeData" val="SMDATA_16_xzE7ZxMAAAAlAAAAZAAAAA0AAAAAkAAAAEgAAACQAAAASAAAAAAAAAABAAAAAAAAAAEAAABQAAAAAAAAAAAA4D8AAAAAAADgPwAAAAAAAOA/AAAAAAAA4D8AAAAAAADgPwAAAAAAAOA/AAAAAAAA4D8AAAAAAADgPwAAAAAAAOA/AAAAAAAA4D8CAAAAjAAAAAAAAAAAAAAARHLEDP///wgAAAAAAAAAAAAAAAAAAAAAAAAAAAAAAAAAAAAAZAAAAAEAAABAAAAAAAAAAAAAAAAAAAAAAAAAAAAAAAAAAAAAAAAAAAAAAAAAAAAAAAAAAAAAAAAAAAAAAAAAAAAAAAAAAAAAAAAAAAAAAAAAAAAAAAAAAAAAAAAAAAAAFAAAADwAAAAAAAAAAAAAAAAAAAkUAAAAAQAAABQAAAAUAAAAFAAAAAEAAAAAAAAAZAAAAGQAAAAAAAAAZAAAAGQAAAAVAAAAYAAAAAAAAAAAAAAADwAAACADAAAAAAAAAAAAAAEAAACgMgAAVgcAAKr4//8BAAAAf39/AAEAAABkAAAAAAAAABQAAABAHwAAAAAAACYAAAAAAAAAwOD//wAAAAAmAAAAZAAAABYAAABMAAAAAAAAAAAAAAAEAAAAAAAAAAEAAADn5uYKAAAAACgAAAAoAAAAZAAAAGQAAAAAAAAAzMzMAAAAAABQAAAAUAAAAGQAAABkAAAAAAAAABcAAAAUAAAAAAAAAAAAAAD/fwAA/38AAAAAAAAJAAAABAAAAAAAAAAeAAAAaAAAAAAAAAAAAAAAAAAAAAAAAAAAAAAAECcAABAnAAAAAAAAAAAAAAAAAAAAAAAAAAAAAAAAAAAAAAAAAAAAABQAAAAAAAAAwMD/AAAAAABkAAAAMgAAAAAAAABkAAAAAAAAAH9/fwAKAAAAIgAAABgAAAAAAAAAAAAAAAAAAAAAAAAAAAAAAAAAAAAkAAAAJAAAAAAAAAAHAAAAAAAAAAAAAAAAAAAAAAAAAAAAAAAAAAAAf39/ACUAAABYAAAAAAAAAAAAAAAAAAAAAAAAAAAAAAAAAAAAAAAAAAAAAAAAAAAAAAAAAAAAAAA/AAAAAAAAAKCGAQAAAAAAAAAAAAAAAAAMAAAAAQAAAAAAAAAAAAAAAAAAAB8AAABUAAAAAAAABQAAAAEAAAAAAAAAAAAAAAAAAAAAAAAAAAAAAAAAAAAAAAAAAAAAAAJ/f38AAAAAA8zMzADAwP8Af39/AAAAAAAAAAAAAAAAAAAAAAAAAAAAIQAAABgAAAAUAAAA+DQAABonAADYRQAAWSkAABAAAAAmAAAACAAAAAAAAAAAAAAAMAAAABQAAAAAAAAAAAD//wAAAQAAAP//AAABAA=="/>
+                <pr:smNativeData xmlns="smNativeData" xmlns:pr="smNativeData" xmlns:p15="http://schemas.microsoft.com/office/powerpoint/2012/main" xmlns:p14="http://schemas.microsoft.com/office/powerpoint/2010/main" xmlns:mc="http://schemas.openxmlformats.org/markup-compatibility/2006" val="SMDATA_16_xzE7ZxMAAAAlAAAAZAAAAA0AAAAAkAAAAEgAAACQAAAASAAAAAAAAAABAAAAAAAAAAEAAABQAAAAAAAAAAAA4D8AAAAAAADgPwAAAAAAAOA/AAAAAAAA4D8AAAAAAADgPwAAAAAAAOA/AAAAAAAA4D8AAAAAAADgPwAAAAAAAOA/AAAAAAAA4D8CAAAAjAAAAAAAAAAAAAAARHLEDP///wgAAAAAAAAAAAAAAAAAAAAAAAAAAAAAAAAAAAAAZAAAAAEAAABAAAAAAAAAAAAAAAAAAAAAAAAAAAAAAAAAAAAAAAAAAAAAAAAAAAAAAAAAAAAAAAAAAAAAAAAAAAAAAAAAAAAAAAAAAAAAAAAAAAAAAAAAAAAAAAAAAAAAFAAAADwAAAAAAAAAAAAAAAAAAAkUAAAAAQAAABQAAAAUAAAAFAAAAAEAAAAAAAAAZAAAAGQAAAAAAAAAZAAAAGQAAAAVAAAAYAAAAAAAAAAAAAAADwAAACADAAAAAAAAAAAAAAEAAACgMgAAVgcAAKr4//8BAAAAf39/AAEAAABkAAAAAAAAABQAAABAHwAAAAAAACYAAAAAAAAAwOD//wAAAAAmAAAAZAAAABYAAABMAAAAAAAAAAAAAAAEAAAAAAAAAAEAAADn5uYKAAAAACgAAAAoAAAAZAAAAGQAAAAAAAAAzMzMAAAAAABQAAAAUAAAAGQAAABkAAAAAAAAABcAAAAUAAAAAAAAAAAAAAD/fwAA/38AAAAAAAAJAAAABAAAAAAAAAAeAAAAaAAAAAAAAAAAAAAAAAAAAAAAAAAAAAAAECcAABAnAAAAAAAAAAAAAAAAAAAAAAAAAAAAAAAAAAAAAAAAAAAAABQAAAAAAAAAwMD/AAAAAABkAAAAMgAAAAAAAABkAAAAAAAAAH9/fwAKAAAAIgAAABgAAAAAAAAAAAAAAAAAAAAAAAAAAAAAAAAAAAAkAAAAJAAAAAAAAAAHAAAAAAAAAAAAAAAAAAAAAAAAAAAAAAAAAAAAf39/ACUAAABYAAAAAAAAAAAAAAAAAAAAAAAAAAAAAAAAAAAAAAAAAAAAAAAAAAAAAAAAAAAAAAA/AAAAAAAAAKCGAQAAAAAAAAAAAAAAAAAMAAAAAQAAAAAAAAAAAAAAAAAAAB8AAABUAAAAAAAABQAAAAEAAAAAAAAAAAAAAAAAAAAAAAAAAAAAAAAAAAAAAAAAAAAAAAJ/f38AAAAAA8zMzADAwP8Af39/AAAAAAAAAAAAAAAAAAAAAAAAAAAAIQAAABgAAAAUAAAA+DQAABonAADYRQAAWSkAABAAAAAmAAAACAAAAAAAAAAAAAAAMAAAABQAAAAAAAAAAAD//wAAAQAAAP//AAABAA=="/>
               </a:ext>
             </a:extLst>
           </p:cNvSpPr>
@@ -4178,7 +4178,7 @@
             <a:spLocks noGrp="1" noChangeArrowheads="1"/>
             <a:extLst>
               <a:ext uri="smNativeData">
-                <pr:smNativeData xmlns:mc="http://schemas.openxmlformats.org/markup-compatibility/2006" xmlns:p14="http://schemas.microsoft.com/office/powerpoint/2010/main" xmlns:p15="http://schemas.microsoft.com/office/powerpoint/2012/main" xmlns:pr="smNativeData" xmlns="smNativeData" val="SMDATA_16_xzE7ZxMAAAAlAAAAZAAAAA0AAAAAkAAAAEgAAACQAAAASAAAAAAAAAABAAAAAAAAAAEAAABQAAAAAAAAAAAA4D8AAAAAAADgPwAAAAAAAOA/AAAAAAAA4D8AAAAAAADgPwAAAAAAAOA/AAAAAAAA4D8AAAAAAADgPwAAAAAAAOA/AAAAAAAA4D8CAAAAjAAAAAAAAAAAAAAA////AP///wgAAAAAAAAAAAAAAAAAAAAAAAAAAAAAAAAAAAAAeAAAAAEAAABAAAAAAAAAAAAAAABaAAAAAAAAAAAAAAAAAAAAAAAAAAAAAAAAAAAAAAAAAAAAAAAAAAAAAAAAAAAAAAAAAAAAAAAAAAAAAAAAAAAAAAAAAAAAAAAAAAAAFAAAADwAAAAAAAAAAAAAAAAAAAAPAAAAAQAAACMAAAAjAAAAIwAAAB4AAAAAAAAAZAAAAGQAAAAAAAAAZAAAAGQAAAAVAAAAYAAAAAAAAAAAAAAADwAAACADAAAAAAAAAAAAAAEAAACgMgAAVgcAAKr4//8BAAAAf39/AAEAAABkAAAAAAAAABQAAABAHwAAAAAAACYAAAAAAAAAwOD//wAAAAAmAAAAZAAAABYAAABMAAAAAAAAAAAAAAAEAAAAAAAAAAEAAADn5uYKAAAAACgAAAAoAAAAZAAAAGQAAAAAAAAAzMzMAAAAAABQAAAAUAAAAGQAAABkAAAAAAAAABcAAAAUAAAAAAAAAAAAAAD/fwAA/38AAAAAAAAJAAAABAAAAAAAAAAeAAAAaAAAAAAAAAAAAAAAAAAAAAAAAAAAAAAAECcAABAnAAAAAAAAAAAAAAAAAAAAAAAAAAAAAAAAAAAAAAAAAAAAABQAAAAAAAAAwMD/AAAAAABkAAAAMgAAAAAAAABkAAAAAAAAAH9/fwAKAAAAIgAAABgAAAAAAAAAAAAAAAAAAAAAAAAAAAAAAAAAAAAkAAAAJAAAAAAAAAAHAAAAAAAAAAAAAAAAAAAAAAAAAAAAAAAAAAAAf39/ACUAAABYAAAAAAAAAAAAAAAAAAAAAAAAAAAAAAAAAAAAAAAAAAAAAAAAAAAAAAAAAAAAAAA/AAAAAAAAAKCGAQAAAAAAAAAAAAAAAAAMAAAAAQAAAAAAAAAAAAAAAAAAAB8AAABUAAAA////AAAAAAEAAAAAAAAAAAAAAAAAAAAAAAAAAAAAAAAAAAAAAAAAAAAAAAB/f38AAAAAA8zMzADAwP8Af39/AAAAAAAAAAAAAAAAAAAAAAAAAAAAIQAAABgAAAAUAAAAKAUAAD8CAADYRQAAZwoAABAAAAAmAAAACAAAAL8vAAAAAAAAMAAAABQAAAAAAAAAAAD//wAAAQAAAP//AAABAA=="/>
+                <pr:smNativeData xmlns="smNativeData" xmlns:pr="smNativeData" xmlns:p15="http://schemas.microsoft.com/office/powerpoint/2012/main" xmlns:p14="http://schemas.microsoft.com/office/powerpoint/2010/main" xmlns:mc="http://schemas.openxmlformats.org/markup-compatibility/2006" val="SMDATA_16_xzE7ZxMAAAAlAAAAZAAAAA0AAAAAkAAAAEgAAACQAAAASAAAAAAAAAABAAAAAAAAAAEAAABQAAAAAAAAAAAA4D8AAAAAAADgPwAAAAAAAOA/AAAAAAAA4D8AAAAAAADgPwAAAAAAAOA/AAAAAAAA4D8AAAAAAADgPwAAAAAAAOA/AAAAAAAA4D8CAAAAjAAAAAAAAAAAAAAA////AP///wgAAAAAAAAAAAAAAAAAAAAAAAAAAAAAAAAAAAAAeAAAAAEAAABAAAAAAAAAAAAAAABaAAAAAAAAAAAAAAAAAAAAAAAAAAAAAAAAAAAAAAAAAAAAAAAAAAAAAAAAAAAAAAAAAAAAAAAAAAAAAAAAAAAAAAAAAAAAAAAAAAAAFAAAADwAAAAAAAAAAAAAAAAAAAAPAAAAAQAAACMAAAAjAAAAIwAAAB4AAAAAAAAAZAAAAGQAAAAAAAAAZAAAAGQAAAAVAAAAYAAAAAAAAAAAAAAADwAAACADAAAAAAAAAAAAAAEAAACgMgAAVgcAAKr4//8BAAAAf39/AAEAAABkAAAAAAAAABQAAABAHwAAAAAAACYAAAAAAAAAwOD//wAAAAAmAAAAZAAAABYAAABMAAAAAAAAAAAAAAAEAAAAAAAAAAEAAADn5uYKAAAAACgAAAAoAAAAZAAAAGQAAAAAAAAAzMzMAAAAAABQAAAAUAAAAGQAAABkAAAAAAAAABcAAAAUAAAAAAAAAAAAAAD/fwAA/38AAAAAAAAJAAAABAAAAAAAAAAeAAAAaAAAAAAAAAAAAAAAAAAAAAAAAAAAAAAAECcAABAnAAAAAAAAAAAAAAAAAAAAAAAAAAAAAAAAAAAAAAAAAAAAABQAAAAAAAAAwMD/AAAAAABkAAAAMgAAAAAAAABkAAAAAAAAAH9/fwAKAAAAIgAAABgAAAAAAAAAAAAAAAAAAAAAAAAAAAAAAAAAAAAkAAAAJAAAAAAAAAAHAAAAAAAAAAAAAAAAAAAAAAAAAAAAAAAAAAAAf39/ACUAAABYAAAAAAAAAAAAAAAAAAAAAAAAAAAAAAAAAAAAAAAAAAAAAAAAAAAAAAAAAAAAAAA/AAAAAAAAAKCGAQAAAAAAAAAAAAAAAAAMAAAAAQAAAAAAAAAAAAAAAAAAAB8AAABUAAAA////AAAAAAEAAAAAAAAAAAAAAAAAAAAAAAAAAAAAAAAAAAAAAAAAAAAAAAB/f38AAAAAA8zMzADAwP8Af39/AAAAAAAAAAAAAAAAAAAAAAAAAAAAIQAAABgAAAAUAAAAKAUAAD8CAADYRQAAZwoAABAAAAAmAAAACAAAAL8vAAAAAAAAMAAAABQAAAAAAAAAAAD//wAAAQAAAP//AAABAA=="/>
               </a:ext>
             </a:extLst>
           </p:cNvSpPr>
@@ -4219,7 +4219,7 @@
             <a:spLocks noGrp="1" noChangeArrowheads="1"/>
             <a:extLst>
               <a:ext uri="smNativeData">
-                <pr:smNativeData xmlns:mc="http://schemas.openxmlformats.org/markup-compatibility/2006" xmlns:p14="http://schemas.microsoft.com/office/powerpoint/2010/main" xmlns:p15="http://schemas.microsoft.com/office/powerpoint/2012/main" xmlns:pr="smNativeData" xmlns="smNativeData" val="SMDATA_16_xzE7ZxMAAAAlAAAAZAAAAA0AAAAAkAAAAEgAAACQAAAASAAAAAAAAAAAAAAAAAAAAAEAAABQAAAAAAAAAAAA4D8AAAAAAADgPwAAAAAAAOA/AAAAAAAA4D8AAAAAAADgPwAAAAAAAOA/AAAAAAAA4D8AAAAAAADgPwAAAAAAAOA/AAAAAAAA4D8CAAAAjAAAAAAAAAAAAAAA////AP///wgAAAAAAAAAAAAAAAAAAAAAAAAAAAAAAAAAAAAAeAAAAAEAAABAAAAAAAAAAAAAAABaAAAAAAAAAAAAAAAAAAAAAAAAAAAAAAAAAAAAAAAAAAAAAAAAAAAAAAAAAAAAAAAAAAAAAAAAAAAAAAAAAAAAAAAAAAAAAAAAAAAAFAAAADwAAAAAAAAAAAAAAAAAAAAPAAAAAQAAACMAAAAjAAAAIwAAAB4AAAAAAAAAZAAAAGQAAAAAAAAAZAAAAGQAAAAVAAAAYAAAAAAAAAAAAAAADwAAACADAAAAAAAAAAAAAAEAAACgMgAAVgcAAKr4//8BAAAAf39/AAEAAABkAAAAAAAAABQAAABAHwAAAAAAACYAAAAAAAAAwOD//wAAAAAmAAAAZAAAABYAAABMAAAAAAAAAAAAAAAEAAAAAAAAAAEAAADn5uYKAAAAACgAAAAoAAAAZAAAAGQAAAAAAAAAzMzMAAAAAABQAAAAUAAAAGQAAABkAAAAAAAAABcAAAAUAAAAAAAAAAAAAAD/fwAA/38AAAAAAAAJAAAABAAAAAAAAAAeAAAAaAAAAAAAAAAAAAAAAAAAAAAAAAAAAAAAECcAABAnAAAAAAAAAAAAAAAAAAAAAAAAAAAAAAAAAAAAAAAAAAAAABQAAAAAAAAAwMD/AAAAAABkAAAAMgAAAAAAAABkAAAAAAAAAH9/fwAKAAAAIgAAABgAAAAAAAAAAAAAAAAAAAAAAAAAAAAAAAAAAAAkAAAAJAAAAAAAAAAHAAAAAAAAAAAAAAAAAAAAAAAAAAAAAAAAAAAAf39/ACUAAABYAAAAAAAAAAAAAAAAAAAAAAAAAAAAAAAAAAAAAAAAAAAAAAAAAAAAAAAAAAAAAAA/AAAAAAAAAKCGAQAAAAAAAAAAAAAAAAAMAAAAAQAAAAAAAAAAAAAAAAAAAB8AAABUAAAA////AAAAAAEAAAAAAAAAAAAAAAAAAAAAAAAAAAAAAAAAAAAAAAAAAAAAAAB/f38AAAAAA8zMzADAwP8Af39/AAAAAAAAAAAAAAAAAAAAAAAAAAAAIQAAABgAAAAUAAAAKAUAADsLAADYRQAAACYAABAAAAAmAAAACAAAAD8vAAAAAAAAMAAAABQAAAAAAAAAAAD//wAAAQAAAP//AAABAA=="/>
+                <pr:smNativeData xmlns="smNativeData" xmlns:pr="smNativeData" xmlns:p15="http://schemas.microsoft.com/office/powerpoint/2012/main" xmlns:p14="http://schemas.microsoft.com/office/powerpoint/2010/main" xmlns:mc="http://schemas.openxmlformats.org/markup-compatibility/2006" val="SMDATA_16_xzE7ZxMAAAAlAAAAZAAAAA0AAAAAkAAAAEgAAACQAAAASAAAAAAAAAAAAAAAAAAAAAEAAABQAAAAAAAAAAAA4D8AAAAAAADgPwAAAAAAAOA/AAAAAAAA4D8AAAAAAADgPwAAAAAAAOA/AAAAAAAA4D8AAAAAAADgPwAAAAAAAOA/AAAAAAAA4D8CAAAAjAAAAAAAAAAAAAAA////AP///wgAAAAAAAAAAAAAAAAAAAAAAAAAAAAAAAAAAAAAeAAAAAEAAABAAAAAAAAAAAAAAABaAAAAAAAAAAAAAAAAAAAAAAAAAAAAAAAAAAAAAAAAAAAAAAAAAAAAAAAAAAAAAAAAAAAAAAAAAAAAAAAAAAAAAAAAAAAAAAAAAAAAFAAAADwAAAAAAAAAAAAAAAAAAAAPAAAAAQAAACMAAAAjAAAAIwAAAB4AAAAAAAAAZAAAAGQAAAAAAAAAZAAAAGQAAAAVAAAAYAAAAAAAAAAAAAAADwAAACADAAAAAAAAAAAAAAEAAACgMgAAVgcAAKr4//8BAAAAf39/AAEAAABkAAAAAAAAABQAAABAHwAAAAAAACYAAAAAAAAAwOD//wAAAAAmAAAAZAAAABYAAABMAAAAAAAAAAAAAAAEAAAAAAAAAAEAAADn5uYKAAAAACgAAAAoAAAAZAAAAGQAAAAAAAAAzMzMAAAAAABQAAAAUAAAAGQAAABkAAAAAAAAABcAAAAUAAAAAAAAAAAAAAD/fwAA/38AAAAAAAAJAAAABAAAAAAAAAAeAAAAaAAAAAAAAAAAAAAAAAAAAAAAAAAAAAAAECcAABAnAAAAAAAAAAAAAAAAAAAAAAAAAAAAAAAAAAAAAAAAAAAAABQAAAAAAAAAwMD/AAAAAABkAAAAMgAAAAAAAABkAAAAAAAAAH9/fwAKAAAAIgAAABgAAAAAAAAAAAAAAAAAAAAAAAAAAAAAAAAAAAAkAAAAJAAAAAAAAAAHAAAAAAAAAAAAAAAAAAAAAAAAAAAAAAAAAAAAf39/ACUAAABYAAAAAAAAAAAAAAAAAAAAAAAAAAAAAAAAAAAAAAAAAAAAAAAAAAAAAAAAAAAAAAA/AAAAAAAAAKCGAQAAAAAAAAAAAAAAAAAMAAAAAQAAAAAAAAAAAAAAAAAAAB8AAABUAAAA////AAAAAAEAAAAAAAAAAAAAAAAAAAAAAAAAAAAAAAAAAAAAAAAAAAAAAAB/f38AAAAAA8zMzADAwP8Af39/AAAAAAAAAAAAAAAAAAAAAAAAAAAAIQAAABgAAAAUAAAAKAUAADsLAADYRQAAACYAABAAAAAmAAAACAAAAD8vAAAAAAAAMAAAABQAAAAAAAAAAAD//wAAAQAAAP//AAABAA=="/>
               </a:ext>
             </a:extLst>
           </p:cNvSpPr>
@@ -4292,7 +4292,7 @@
             <a:spLocks noGrp="1" noChangeArrowheads="1"/>
             <a:extLst>
               <a:ext uri="smNativeData">
-                <pr:smNativeData xmlns:mc="http://schemas.openxmlformats.org/markup-compatibility/2006" xmlns:p14="http://schemas.microsoft.com/office/powerpoint/2010/main" xmlns:p15="http://schemas.microsoft.com/office/powerpoint/2012/main" xmlns:pr="smNativeData" xmlns="smNativeData" val="SMDATA_16_xzE7ZxMAAAAlAAAAZAAAAA0AAAAAkAAAAEgAAACQAAAASAAAAAAAAAABAAAAAAAAAAEAAABQAAAAAAAAAAAA4D8AAAAAAADgPwAAAAAAAOA/AAAAAAAA4D8AAAAAAADgPwAAAAAAAOA/AAAAAAAA4D8AAAAAAADgPwAAAAAAAOA/AAAAAAAA4D8CAAAAjAAAAAAAAAAAAAAA////AP///wgAAAAAAAAAAAAAAAAAAAAAAAAAAAAAAAAAAAAAeAAAAAEAAABAAAAAAAAAAAAAAABaAAAAAAAAAAAAAAAAAAAAAAAAAAAAAAAAAAAAAAAAAAAAAAAAAAAAAAAAAAAAAAAAAAAAAAAAAAAAAAAAAAAAAAAAAAAAAAAAAAAAFAAAADwAAAAAAAAAAAAAAAAAAAAPAAAAAQAAACMAAAAjAAAAIwAAAB4AAAAAAAAAZAAAAGQAAAAAAAAAZAAAAGQAAAAVAAAAYAAAAAAAAAAAAAAADwAAACADAAAAAAAAAAAAAAEAAACgMgAAVgcAAKr4//8BAAAAf39/AAEAAABkAAAAAAAAABQAAABAHwAAAAAAACYAAAAAAAAAwOD//wAAAAAmAAAAZAAAABYAAABMAAAAAAAAAAAAAAAEAAAAAAAAAAEAAADn5uYKAAAAACgAAAAoAAAAZAAAAGQAAAAAAAAAzMzMAAAAAABQAAAAUAAAAGQAAABkAAAAAAAAABcAAAAUAAAAAAAAAAAAAAD/fwAA/38AAAAAAAAJAAAABAAAAHiYZxAeAAAAaAAAAAAAAAAAAAAAAAAAAAAAAAAAAAAAECcAABAnAAAAAAAAAAAAAAAAAAAAAAAAAAAAAAAAAAAAAAAAAAAAABQAAAAAAAAAwMD/AAAAAABkAAAAMgAAAAAAAABkAAAAAAAAAH9/fwAKAAAAIgAAABgAAAAAAAAAAAAAAAAAAAAAAAAAAAAAAAAAAAAkAAAAJAAAAAAAAAAHAAAAAAAAAAAAAAAAAAAAAAAAAAAAAAAAAAAAf39/ACUAAABYAAAAAAAAAAAAAAAAAAAAAAAAAAAAAAAAAAAAAAAAAAAAAAAAAAAAAAAAAAAAAAA/AAAAAAAAAKCGAQAAAAAAAAAAAAAAAAAMAAAAAQAAAAAAAAAAAAAAAAAAAB8AAABUAAAA////AAAAAAEAAAAAAAAAAAAAAAAAAAAAAAAAAAAAAAAAAAAAAAAAAAAAAAB/f38AAAAAA8zMzADAwP8Af39/AAAAAAAAAAAAAAAAAAAAAAAAAAAAIQAAABgAAAAUAAAAKAUAABonAAAIFgAAWSkAABAAAAAmAAAACAAAAL+PAAAAAAAAMAAAABQAAAAAAAAAAAD//wAAAQAAAP//AAABAA=="/>
+                <pr:smNativeData xmlns="smNativeData" xmlns:pr="smNativeData" xmlns:p15="http://schemas.microsoft.com/office/powerpoint/2012/main" xmlns:p14="http://schemas.microsoft.com/office/powerpoint/2010/main" xmlns:mc="http://schemas.openxmlformats.org/markup-compatibility/2006" val="SMDATA_16_xzE7ZxMAAAAlAAAAZAAAAA0AAAAAkAAAAEgAAACQAAAASAAAAAAAAAABAAAAAAAAAAEAAABQAAAAAAAAAAAA4D8AAAAAAADgPwAAAAAAAOA/AAAAAAAA4D8AAAAAAADgPwAAAAAAAOA/AAAAAAAA4D8AAAAAAADgPwAAAAAAAOA/AAAAAAAA4D8CAAAAjAAAAAAAAAAAAAAA////AP///wgAAAAAAAAAAAAAAAAAAAAAAAAAAAAAAAAAAAAAeAAAAAEAAABAAAAAAAAAAAAAAABaAAAAAAAAAAAAAAAAAAAAAAAAAAAAAAAAAAAAAAAAAAAAAAAAAAAAAAAAAAAAAAAAAAAAAAAAAAAAAAAAAAAAAAAAAAAAAAAAAAAAFAAAADwAAAAAAAAAAAAAAAAAAAAPAAAAAQAAACMAAAAjAAAAIwAAAB4AAAAAAAAAZAAAAGQAAAAAAAAAZAAAAGQAAAAVAAAAYAAAAAAAAAAAAAAADwAAACADAAAAAAAAAAAAAAEAAACgMgAAVgcAAKr4//8BAAAAf39/AAEAAABkAAAAAAAAABQAAABAHwAAAAAAACYAAAAAAAAAwOD//wAAAAAmAAAAZAAAABYAAABMAAAAAAAAAAAAAAAEAAAAAAAAAAEAAADn5uYKAAAAACgAAAAoAAAAZAAAAGQAAAAAAAAAzMzMAAAAAABQAAAAUAAAAGQAAABkAAAAAAAAABcAAAAUAAAAAAAAAAAAAAD/fwAA/38AAAAAAAAJAAAABAAAAHiYZxAeAAAAaAAAAAAAAAAAAAAAAAAAAAAAAAAAAAAAECcAABAnAAAAAAAAAAAAAAAAAAAAAAAAAAAAAAAAAAAAAAAAAAAAABQAAAAAAAAAwMD/AAAAAABkAAAAMgAAAAAAAABkAAAAAAAAAH9/fwAKAAAAIgAAABgAAAAAAAAAAAAAAAAAAAAAAAAAAAAAAAAAAAAkAAAAJAAAAAAAAAAHAAAAAAAAAAAAAAAAAAAAAAAAAAAAAAAAAAAAf39/ACUAAABYAAAAAAAAAAAAAAAAAAAAAAAAAAAAAAAAAAAAAAAAAAAAAAAAAAAAAAAAAAAAAAA/AAAAAAAAAKCGAQAAAAAAAAAAAAAAAAAMAAAAAQAAAAAAAAAAAAAAAAAAAB8AAABUAAAA////AAAAAAEAAAAAAAAAAAAAAAAAAAAAAAAAAAAAAAAAAAAAAAAAAAAAAAB/f38AAAAAA8zMzADAwP8Af39/AAAAAAAAAAAAAAAAAAAAAAAAAAAAIQAAABgAAAAUAAAAKAUAABonAAAIFgAAWSkAABAAAAAmAAAACAAAAL+PAAAAAAAAMAAAABQAAAAAAAAAAAD//wAAAQAAAP//AAABAA=="/>
               </a:ext>
             </a:extLst>
           </p:cNvSpPr>
@@ -4366,7 +4366,7 @@
             <a:spLocks noGrp="1" noChangeArrowheads="1"/>
             <a:extLst>
               <a:ext uri="smNativeData">
-                <pr:smNativeData xmlns:mc="http://schemas.openxmlformats.org/markup-compatibility/2006" xmlns:p14="http://schemas.microsoft.com/office/powerpoint/2010/main" xmlns:p15="http://schemas.microsoft.com/office/powerpoint/2012/main" xmlns:pr="smNativeData" xmlns="smNativeData" val="SMDATA_16_xzE7ZxMAAAAlAAAAZAAAAA0AAAAAkAAAAEgAAACQAAAASAAAAAAAAAABAAAAAAAAAAEAAABQAAAAAAAAAAAA4D8AAAAAAADgPwAAAAAAAOA/AAAAAAAA4D8AAAAAAADgPwAAAAAAAOA/AAAAAAAA4D8AAAAAAADgPwAAAAAAAOA/AAAAAAAA4D8CAAAAjAAAAAAAAAAAAAAA////AP///wgAAAAAAAAAAAAAAAAAAAAAAAAAAAAAAAAAAAAAeAAAAAEAAABAAAAAAAAAAAAAAABaAAAAAAAAAAAAAAAAAAAAAAAAAAAAAAAAAAAAAAAAAAAAAAAAAAAAAAAAAAAAAAAAAAAAAAAAAAAAAAAAAAAAAAAAAAAAAAAAAAAAFAAAADwAAAAAAAAAAAAAAAAAAAAPAAAAAQAAACMAAAAjAAAAIwAAAB4AAAAAAAAAZAAAAGQAAAAAAAAAZAAAAGQAAAAVAAAAYAAAAAAAAAAAAAAADwAAACADAAAAAAAAAAAAAAEAAACgMgAAVgcAAKr4//8BAAAAf39/AAEAAABkAAAAAAAAABQAAABAHwAAAAAAACYAAAAAAAAAwOD//wAAAAAmAAAAZAAAABYAAABMAAAAAAAAAAAAAAAEAAAAAAAAAAEAAADn5uYKAAAAACgAAAAoAAAAZAAAAGQAAAAAAAAAzMzMAAAAAABQAAAAUAAAAGQAAABkAAAAAAAAABcAAAAUAAAAAAAAAAAAAAD/fwAA/38AAAAAAAAJAAAABAAAAGwAZQAeAAAAaAAAAAAAAAAAAAAAAAAAAAAAAAAAAAAAECcAABAnAAAAAAAAAAAAAAAAAAAAAAAAAAAAAAAAAAAAAAAAAAAAABQAAAAAAAAAwMD/AAAAAABkAAAAMgAAAAAAAABkAAAAAAAAAH9/fwAKAAAAIgAAABgAAAAAAAAAAAAAAAAAAAAAAAAAAAAAAAAAAAAkAAAAJAAAAAAAAAAHAAAAAAAAAAAAAAAAAAAAAAAAAAAAAAAAAAAAf39/ACUAAABYAAAAAAAAAAAAAAAAAAAAAAAAAAAAAAAAAAAAAAAAAAAAAAAAAAAAAAAAAAAAAAA/AAAAAAAAAKCGAQAAAAAAAAAAAAAAAAAMAAAAAQAAAAAAAAAAAAAAAAAAAB8AAABUAAAA////AAAAAAEAAAAAAAAAAAAAAAAAAAAAAAAAAAAAAAAAAAAAAAAAAAAAAAB/f38AAAAAA8zMzADAwP8Af39/AAAAAAAAAAAAAAAAAAAAAAAAAAAAIQAAABgAAAAUAAAA2BgAABonAAAoMgAAWSkAABAAAAAmAAAACAAAAL+PAAAAAAAAMAAAABQAAAAAAAAAAAD//wAAAQAAAP//AAABAA=="/>
+                <pr:smNativeData xmlns="smNativeData" xmlns:pr="smNativeData" xmlns:p15="http://schemas.microsoft.com/office/powerpoint/2012/main" xmlns:p14="http://schemas.microsoft.com/office/powerpoint/2010/main" xmlns:mc="http://schemas.openxmlformats.org/markup-compatibility/2006" val="SMDATA_16_xzE7ZxMAAAAlAAAAZAAAAA0AAAAAkAAAAEgAAACQAAAASAAAAAAAAAABAAAAAAAAAAEAAABQAAAAAAAAAAAA4D8AAAAAAADgPwAAAAAAAOA/AAAAAAAA4D8AAAAAAADgPwAAAAAAAOA/AAAAAAAA4D8AAAAAAADgPwAAAAAAAOA/AAAAAAAA4D8CAAAAjAAAAAAAAAAAAAAA////AP///wgAAAAAAAAAAAAAAAAAAAAAAAAAAAAAAAAAAAAAeAAAAAEAAABAAAAAAAAAAAAAAABaAAAAAAAAAAAAAAAAAAAAAAAAAAAAAAAAAAAAAAAAAAAAAAAAAAAAAAAAAAAAAAAAAAAAAAAAAAAAAAAAAAAAAAAAAAAAAAAAAAAAFAAAADwAAAAAAAAAAAAAAAAAAAAPAAAAAQAAACMAAAAjAAAAIwAAAB4AAAAAAAAAZAAAAGQAAAAAAAAAZAAAAGQAAAAVAAAAYAAAAAAAAAAAAAAADwAAACADAAAAAAAAAAAAAAEAAACgMgAAVgcAAKr4//8BAAAAf39/AAEAAABkAAAAAAAAABQAAABAHwAAAAAAACYAAAAAAAAAwOD//wAAAAAmAAAAZAAAABYAAABMAAAAAAAAAAAAAAAEAAAAAAAAAAEAAADn5uYKAAAAACgAAAAoAAAAZAAAAGQAAAAAAAAAzMzMAAAAAABQAAAAUAAAAGQAAABkAAAAAAAAABcAAAAUAAAAAAAAAAAAAAD/fwAA/38AAAAAAAAJAAAABAAAAGwAZQAeAAAAaAAAAAAAAAAAAAAAAAAAAAAAAAAAAAAAECcAABAnAAAAAAAAAAAAAAAAAAAAAAAAAAAAAAAAAAAAAAAAAAAAABQAAAAAAAAAwMD/AAAAAABkAAAAMgAAAAAAAABkAAAAAAAAAH9/fwAKAAAAIgAAABgAAAAAAAAAAAAAAAAAAAAAAAAAAAAAAAAAAAAkAAAAJAAAAAAAAAAHAAAAAAAAAAAAAAAAAAAAAAAAAAAAAAAAAAAAf39/ACUAAABYAAAAAAAAAAAAAAAAAAAAAAAAAAAAAAAAAAAAAAAAAAAAAAAAAAAAAAAAAAAAAAA/AAAAAAAAAKCGAQAAAAAAAAAAAAAAAAAMAAAAAQAAAAAAAAAAAAAAAAAAAB8AAABUAAAA////AAAAAAEAAAAAAAAAAAAAAAAAAAAAAAAAAAAAAAAAAAAAAAAAAAAAAAB/f38AAAAAA8zMzADAwP8Af39/AAAAAAAAAAAAAAAAAAAAAAAAAAAAIQAAABgAAAAUAAAA2BgAABonAAAoMgAAWSkAABAAAAAmAAAACAAAAL+PAAAAAAAAMAAAABQAAAAAAAAAAAD//wAAAQAAAP//AAABAA=="/>
               </a:ext>
             </a:extLst>
           </p:cNvSpPr>
@@ -4437,7 +4437,7 @@
             <a:spLocks noGrp="1" noChangeArrowheads="1"/>
             <a:extLst>
               <a:ext uri="smNativeData">
-                <pr:smNativeData xmlns:mc="http://schemas.openxmlformats.org/markup-compatibility/2006" xmlns:p14="http://schemas.microsoft.com/office/powerpoint/2010/main" xmlns:p15="http://schemas.microsoft.com/office/powerpoint/2012/main" xmlns:pr="smNativeData" xmlns="smNativeData" val="SMDATA_16_xzE7ZxMAAAAlAAAAZAAAAA0AAAAAkAAAAEgAAACQAAAASAAAAAAAAAABAAAAAAAAAAEAAABQAAAAAAAAAAAA4D8AAAAAAADgPwAAAAAAAOA/AAAAAAAA4D8AAAAAAADgPwAAAAAAAOA/AAAAAAAA4D8AAAAAAADgPwAAAAAAAOA/AAAAAAAA4D8CAAAAjAAAAAAAAAAAAAAA////AP///wgAAAAAAAAAAAAAAAAAAAAAAAAAAAAAAAAAAAAAeAAAAAEAAABAAAAAAAAAAAAAAABaAAAAAAAAAAAAAAAAAAAAAAAAAAAAAAAAAAAAAAAAAAAAAAAAAAAAAAAAAAAAAAAAAAAAAAAAAAAAAAAAAAAAAAAAAAAAAAAAAAAAFAAAADwAAAAAAAAAAAAAAAAAAAAPAAAAAQAAACMAAAAjAAAAIwAAAB4AAAAAAAAAZAAAAGQAAAAAAAAAZAAAAGQAAAAVAAAAYAAAAAAAAAAAAAAADwAAACADAAAAAAAAAAAAAAEAAACgMgAAVgcAAKr4//8BAAAAf39/AAEAAABkAAAAAAAAABQAAABAHwAAAAAAACYAAAAAAAAAwOD//wAAAAAmAAAAZAAAABYAAABMAAAAAAAAAAAAAAAEAAAAAAAAAAEAAADn5uYKAAAAACgAAAAoAAAAZAAAAGQAAAAAAAAAzMzMAAAAAABQAAAAUAAAAGQAAABkAAAAAAAAABcAAAAUAAAAAAAAAAAAAAD/fwAA/38AAAAAAAAJAAAABAAAAAAAAAAeAAAAaAAAAAAAAAAAAAAAAAAAAAAAAAAAAAAAECcAABAnAAAAAAAAAAAAAAAAAAAAAAAAAAAAAAAAAAAAAAAAAAAAABQAAAAAAAAAwMD/AAAAAABkAAAAMgAAAAAAAABkAAAAAAAAAH9/fwAKAAAAIgAAABgAAAAAAAAAAAAAAAAAAAAAAAAAAAAAAAAAAAAkAAAAJAAAAAAAAAAHAAAAAAAAAAAAAAAAAAAAAAAAAAAAAAAAAAAAf39/ACUAAABYAAAAAAAAAAAAAAAAAAAAAAAAAAAAAAAAAAAAAAAAAAAAAAAAAAAAAAAAAAAAAAA/AAAAAAAAAKCGAQAAAAAAAAAAAAAAAAAMAAAAAQAAAAAAAAAAAAAAAAAAAB8AAABUAAAA////AAAAAAEAAAAAAAAAAAAAAAAAAAAAAAAAAAAAAAAAAAAAAAAAAAAAAAB/f38AAAAAA8zMzADAwP8Af39/AAAAAAAAAAAAAAAAAAAAAAAAAAAAIQAAABgAAAAUAAAA+DQAABonAADYRQAAWSkAABAAAAAmAAAACAAAAL+PAAAAAAAAMAAAABQAAAAAAAAAAAD//wAAAQAAAP//AAABAA=="/>
+                <pr:smNativeData xmlns="smNativeData" xmlns:pr="smNativeData" xmlns:p15="http://schemas.microsoft.com/office/powerpoint/2012/main" xmlns:p14="http://schemas.microsoft.com/office/powerpoint/2010/main" xmlns:mc="http://schemas.openxmlformats.org/markup-compatibility/2006" val="SMDATA_16_xzE7ZxMAAAAlAAAAZAAAAA0AAAAAkAAAAEgAAACQAAAASAAAAAAAAAABAAAAAAAAAAEAAABQAAAAAAAAAAAA4D8AAAAAAADgPwAAAAAAAOA/AAAAAAAA4D8AAAAAAADgPwAAAAAAAOA/AAAAAAAA4D8AAAAAAADgPwAAAAAAAOA/AAAAAAAA4D8CAAAAjAAAAAAAAAAAAAAA////AP///wgAAAAAAAAAAAAAAAAAAAAAAAAAAAAAAAAAAAAAeAAAAAEAAABAAAAAAAAAAAAAAABaAAAAAAAAAAAAAAAAAAAAAAAAAAAAAAAAAAAAAAAAAAAAAAAAAAAAAAAAAAAAAAAAAAAAAAAAAAAAAAAAAAAAAAAAAAAAAAAAAAAAFAAAADwAAAAAAAAAAAAAAAAAAAAPAAAAAQAAACMAAAAjAAAAIwAAAB4AAAAAAAAAZAAAAGQAAAAAAAAAZAAAAGQAAAAVAAAAYAAAAAAAAAAAAAAADwAAACADAAAAAAAAAAAAAAEAAACgMgAAVgcAAKr4//8BAAAAf39/AAEAAABkAAAAAAAAABQAAABAHwAAAAAAACYAAAAAAAAAwOD//wAAAAAmAAAAZAAAABYAAABMAAAAAAAAAAAAAAAEAAAAAAAAAAEAAADn5uYKAAAAACgAAAAoAAAAZAAAAGQAAAAAAAAAzMzMAAAAAABQAAAAUAAAAGQAAABkAAAAAAAAABcAAAAUAAAAAAAAAAAAAAD/fwAA/38AAAAAAAAJAAAABAAAAAAAAAAeAAAAaAAAAAAAAAAAAAAAAAAAAAAAAAAAAAAAECcAABAnAAAAAAAAAAAAAAAAAAAAAAAAAAAAAAAAAAAAAAAAAAAAABQAAAAAAAAAwMD/AAAAAABkAAAAMgAAAAAAAABkAAAAAAAAAH9/fwAKAAAAIgAAABgAAAAAAAAAAAAAAAAAAAAAAAAAAAAAAAAAAAAkAAAAJAAAAAAAAAAHAAAAAAAAAAAAAAAAAAAAAAAAAAAAAAAAAAAAf39/ACUAAABYAAAAAAAAAAAAAAAAAAAAAAAAAAAAAAAAAAAAAAAAAAAAAAAAAAAAAAAAAAAAAAA/AAAAAAAAAKCGAQAAAAAAAAAAAAAAAAAMAAAAAQAAAAAAAAAAAAAAAAAAAB8AAABUAAAA////AAAAAAEAAAAAAAAAAAAAAAAAAAAAAAAAAAAAAAAAAAAAAAAAAAAAAAB/f38AAAAAA8zMzADAwP8Af39/AAAAAAAAAAAAAAAAAAAAAAAAAAAAIQAAABgAAAAUAAAA+DQAABonAADYRQAAWSkAABAAAAAmAAAACAAAAL+PAAAAAAAAMAAAABQAAAAAAAAAAAD//wAAAQAAAP//AAABAA=="/>
               </a:ext>
             </a:extLst>
           </p:cNvSpPr>
@@ -5177,7 +5177,7 @@
             <a:picLocks noChangeAspect="1"/>
             <a:extLst>
               <a:ext uri="smNativeData">
-                <pr:smNativeData xmlns:mc="http://schemas.openxmlformats.org/markup-compatibility/2006" xmlns:p14="http://schemas.microsoft.com/office/powerpoint/2010/main" xmlns:p15="http://schemas.microsoft.com/office/powerpoint/2012/main" xmlns:pr="smNativeData" xmlns="smNativeData" val="SMDATA_18_xzE7ZxMAAAAlAAAAEQAAAC8BAAAAkAAAAEgAAACQAAAASAAAAAAAAAAAAAAAAAAAAAEAAABQAAAAAAAAAAAA4D8AAAAAAADgPwAAAAAAAOA/AAAAAAAA4D8AAAAAAADgPwAAAAAAAOA/AAAAAAAA4D8AAAAAAADgPwAAAAAAAOA/AAAAAAAA4D8CAAAAjAAAAAAAAAAAAAAARHLEDP///wgAAAAAAAAAAAAAAAAAAAAAAAAAAAAAAAAAAAAAZAAAAAEAAABAAAAAAAAAAAAAAAAAAAAAAAAAAAAAAAAAAAAAAAAAAAAAAAAAAAAAAAAAAAAAAAAAAAAAAAAAAAAAAAAAAAAAAAAAAAAAAAAAAAAAAAAAAAAAAAAAAAAAFAAAADwAAAAAAAAAAAAAAAAAAAkUAAAAAQAAABQAAAAUAAAAFAAAAAEAAAAAAAAAZAAAAGQAAAAAAAAAZAAAAGQAAAAVAAAAYAAAAAAAAAAAAAAADwAAACADAAAAAAAAAAAAAAEAAACgMgAAVgcAAKr4//8BAAAAf39/AAEAAABkAAAAAAAAABQAAABAHwAAAAAAACYAAAAAAAAAwOD//wAAAAAmAAAAZAAAABYAAABMAAAAAAAAAAAAAAAEAAAAAAAAAAEAAADn5uYKAAAAACgAAAAoAAAAZAAAAGQAAAAAAAAAzMzMAAAAAABQAAAAUAAAAGQAAABkAAAAAAAAAAcAAAA4AAAAAAAAAAAAAAAAAAAA////AAAAAAAAAAAAAAAAAAAAAAAAAAAAAAAAAAAAAABkAAAAZAAAAAAAAAAjAAAABAAAAGQAAAAXAAAAFAAAAAAAAAAAAAAA/38AAP9/AAAAAAAACQAAAAQAAAAAAAAAHgAAAGgAAAAAAAAAAAAAAAAAAAAAAAAAAAAAABAnAAAQJwAAAAAAAAAAAAAAAAAAAAAAAAAAAAAAAAAAAAAAAAAAAAAUAAAAAAAAAMDA/wAAAAAAZAAAADIAAAAAAAAAZAAAAAAAAAB/f38ACgAAACIAAAAYAAAAAAAAAAAAAAAAAAAAAAAAAAAAAAAAAAAAJAAAACQAAAAAAAAABwAAAAAAAAAAAAAAAAAAAAAAAAAAAAAAAAAAAH9/fwAlAAAAWAAAAAAAAAAAAAAAAAAAAAAAAAAAAAAAAAAAAAAAAAAAAAAAAAAAAAAAAAAAAAAAPwAAAAAAAACghgEAAAAAAAAAAAAAAAAADAAAAAEAAAAAAAAAAAAAAAAAAAAfAAAAVAAAAERyxAX///8BAAAAAAAAAAAAAAAAAAAAAAAAAAAAAAAAAAAAAAAAAAAAAAACf39/AOfm5gPMzMwAwMD/AH9/fwAAAAAAAAAAAAAAAAD///8AAAAAACEAAAAYAAAAFAAAAN4FAAAdFwAAlRcAAEMhAAAQAAAAJgAAAAgAAAD//////////zAAAAAUAAAAAAAAAAAA//8AAAEAAAD//wAAAQA="/>
+                <pr:smNativeData xmlns="smNativeData" xmlns:pr="smNativeData" xmlns:p15="http://schemas.microsoft.com/office/powerpoint/2012/main" xmlns:p14="http://schemas.microsoft.com/office/powerpoint/2010/main" xmlns:mc="http://schemas.openxmlformats.org/markup-compatibility/2006" val="SMDATA_18_xzE7ZxMAAAAlAAAAEQAAAC8BAAAAkAAAAEgAAACQAAAASAAAAAAAAAAAAAAAAAAAAAEAAABQAAAAAAAAAAAA4D8AAAAAAADgPwAAAAAAAOA/AAAAAAAA4D8AAAAAAADgPwAAAAAAAOA/AAAAAAAA4D8AAAAAAADgPwAAAAAAAOA/AAAAAAAA4D8CAAAAjAAAAAAAAAAAAAAARHLEDP///wgAAAAAAAAAAAAAAAAAAAAAAAAAAAAAAAAAAAAAZAAAAAEAAABAAAAAAAAAAAAAAAAAAAAAAAAAAAAAAAAAAAAAAAAAAAAAAAAAAAAAAAAAAAAAAAAAAAAAAAAAAAAAAAAAAAAAAAAAAAAAAAAAAAAAAAAAAAAAAAAAAAAAFAAAADwAAAAAAAAAAAAAAAAAAAkUAAAAAQAAABQAAAAUAAAAFAAAAAEAAAAAAAAAZAAAAGQAAAAAAAAAZAAAAGQAAAAVAAAAYAAAAAAAAAAAAAAADwAAACADAAAAAAAAAAAAAAEAAACgMgAAVgcAAKr4//8BAAAAf39/AAEAAABkAAAAAAAAABQAAABAHwAAAAAAACYAAAAAAAAAwOD//wAAAAAmAAAAZAAAABYAAABMAAAAAAAAAAAAAAAEAAAAAAAAAAEAAADn5uYKAAAAACgAAAAoAAAAZAAAAGQAAAAAAAAAzMzMAAAAAABQAAAAUAAAAGQAAABkAAAAAAAAAAcAAAA4AAAAAAAAAAAAAAAAAAAA////AAAAAAAAAAAAAAAAAAAAAAAAAAAAAAAAAAAAAABkAAAAZAAAAAAAAAAjAAAABAAAAGQAAAAXAAAAFAAAAAAAAAAAAAAA/38AAP9/AAAAAAAACQAAAAQAAAAAAAAAHgAAAGgAAAAAAAAAAAAAAAAAAAAAAAAAAAAAABAnAAAQJwAAAAAAAAAAAAAAAAAAAAAAAAAAAAAAAAAAAAAAAAAAAAAUAAAAAAAAAMDA/wAAAAAAZAAAADIAAAAAAAAAZAAAAAAAAAB/f38ACgAAACIAAAAYAAAAAAAAAAAAAAAAAAAAAAAAAAAAAAAAAAAAJAAAACQAAAAAAAAABwAAAAAAAAAAAAAAAAAAAAAAAAAAAAAAAAAAAH9/fwAlAAAAWAAAAAAAAAAAAAAAAAAAAAAAAAAAAAAAAAAAAAAAAAAAAAAAAAAAAAAAAAAAAAAAPwAAAAAAAACghgEAAAAAAAAAAAAAAAAADAAAAAEAAAAAAAAAAAAAAAAAAAAfAAAAVAAAAERyxAX///8BAAAAAAAAAAAAAAAAAAAAAAAAAAAAAAAAAAAAAAAAAAAAAAACf39/AOfm5gPMzMwAwMD/AH9/fwAAAAAAAAAAAAAAAAD///8AAAAAACEAAAAYAAAAFAAAAN4FAAAdFwAAlRcAAEMhAAAQAAAAJgAAAAgAAAD//////////zAAAAAUAAAAAAAAAAAA//8AAAEAAAD//wAAAQA="/>
               </a:ext>
             </a:extLst>
           </p:cNvPicPr>
@@ -5211,7 +5211,7 @@
             <a:picLocks noChangeAspect="1"/>
             <a:extLst>
               <a:ext uri="smNativeData">
-                <pr:smNativeData xmlns:mc="http://schemas.openxmlformats.org/markup-compatibility/2006" xmlns:p14="http://schemas.microsoft.com/office/powerpoint/2010/main" xmlns:p15="http://schemas.microsoft.com/office/powerpoint/2012/main" xmlns:pr="smNativeData" xmlns="smNativeData" val="SMDATA_18_xzE7ZxMAAAAlAAAAEQAAAC0AAAAAkAAAAEgAAACQAAAASAAAAAAAAAAAAAAAAAAAAAEAAABQAAAAAAAAAAAA4D8AAAAAAADgPwAAAAAAAOA/AAAAAAAA4D8AAAAAAADgPwAAAAAAAOA/AAAAAAAA4D8AAAAAAADgPwAAAAAAAOA/AAAAAAAA4D8CAAAAjAAAAAAAAAAAAAAA////AAAAAAAAAAAAAAAAAAAAAAAAAAAAAAAAAAAAAAAAAAAAZAAAAAEAAABAAAAAAAAAAAAAAAAAAAAAAAAAAAAAAAAAAAAAAAAAAAAAAAAAAAAAAAAAAAAAAAAAAAAAAAAAAAAAAAAAAAAAAAAAAAAAAAAAAAAAAAAAAAAAAAAAAAAAFAAAADwAAAAAAAAAAAAAAAAAAAAPAAAAAQAAACMAAAAjAAAAIwAAAB4AAAAAAAAAZAAAAGQAAAAAAAAAZAAAAGQAAAAVAAAAYAAAAAAAAAAAAAAADwAAACADAAAAAAAAAAAAAAEAAACgMgAAVgcAAKr4//8BAAAAf39/AAEAAABkAAAAAAAAABQAAABAHwAAAAAAACYAAAAAAAAAwOD//wAAAAAmAAAAZAAAABYAAABMAAAAAAAAAAAAAAAEAAAAAAAAAAEAAAB/f38AAAAAACgAAAAoAAAAZAAAAGQAAAAAAAAAzMzMAAAAAABQAAAAUAAAAGQAAABkAAAAAAAAAAcAAAA4AAAAAAAAAAAAAAAAAAAA////AAAAAAAAAAAAAAAAAAAAAAAAAAAAAAAAAAAAAABkAAAAZAAAAAAAAAAjAAAABAAAAGQAAAAXAAAAFAAAAAAAAAAAAAAA/38AAP9/AAAAAAAACQAAAAQAAAAAAAAAHgAAAGgAAAAAAAAAAAAAAAAAAAAAAAAAAAAAABAnAAAQJwAAAAAAAAAAAAAAAAAAAAAAAAAAAAAAAAAAAAAAAAAAAAAUAAAAAAAAAMDA/wAAAAAAZAAAADIAAAAAAAAAZAAAAAAAAAB/f38ACgAAACIAAAAYAAAAAAAAAAAAAAAAAAAAAAAAAAAAAAAAAAAAJAAAACQAAAAAAAAABwAAAAAAAAAAAAAAAAAAAAAAAAAAAAAAAAAAAH9/fwAlAAAAWAAAAAAAAAAAAAAAAAAAAAAAAAAAAAAAAAAAAAAAAAAAAAAAAAAAAAAAAAAAAAAAPwAAAAAAAACghgEAAAAAAAAAAAAAAAAADAAAAAEAAAAAAAAAAAAAAAAAAAAfAAAAVAAAAP///wAAAAAAAAAAAAAAAAAAAAAAAAAAAAAAAAAAAAAAAAAAAAAAAAAAAAAAf39/AH9/fwDMzMwAwMD/AH9/fwAAAAAAAAAAAAAAAAD///8AAAAAACEAAAAYAAAAFAAAANoFAACrAQAAbiYAALsPAAAQAAAAJgAAAAgAAAD//////////zAAAAAUAAAAAAAAAAAA//8AAAEAAAD//wAAAQA="/>
+                <pr:smNativeData xmlns="smNativeData" xmlns:pr="smNativeData" xmlns:p15="http://schemas.microsoft.com/office/powerpoint/2012/main" xmlns:p14="http://schemas.microsoft.com/office/powerpoint/2010/main" xmlns:mc="http://schemas.openxmlformats.org/markup-compatibility/2006" val="SMDATA_18_xzE7ZxMAAAAlAAAAEQAAAC0AAAAAkAAAAEgAAACQAAAASAAAAAAAAAAAAAAAAAAAAAEAAABQAAAAAAAAAAAA4D8AAAAAAADgPwAAAAAAAOA/AAAAAAAA4D8AAAAAAADgPwAAAAAAAOA/AAAAAAAA4D8AAAAAAADgPwAAAAAAAOA/AAAAAAAA4D8CAAAAjAAAAAAAAAAAAAAA////AAAAAAAAAAAAAAAAAAAAAAAAAAAAAAAAAAAAAAAAAAAAZAAAAAEAAABAAAAAAAAAAAAAAAAAAAAAAAAAAAAAAAAAAAAAAAAAAAAAAAAAAAAAAAAAAAAAAAAAAAAAAAAAAAAAAAAAAAAAAAAAAAAAAAAAAAAAAAAAAAAAAAAAAAAAFAAAADwAAAAAAAAAAAAAAAAAAAAPAAAAAQAAACMAAAAjAAAAIwAAAB4AAAAAAAAAZAAAAGQAAAAAAAAAZAAAAGQAAAAVAAAAYAAAAAAAAAAAAAAADwAAACADAAAAAAAAAAAAAAEAAACgMgAAVgcAAKr4//8BAAAAf39/AAEAAABkAAAAAAAAABQAAABAHwAAAAAAACYAAAAAAAAAwOD//wAAAAAmAAAAZAAAABYAAABMAAAAAAAAAAAAAAAEAAAAAAAAAAEAAAB/f38AAAAAACgAAAAoAAAAZAAAAGQAAAAAAAAAzMzMAAAAAABQAAAAUAAAAGQAAABkAAAAAAAAAAcAAAA4AAAAAAAAAAAAAAAAAAAA////AAAAAAAAAAAAAAAAAAAAAAAAAAAAAAAAAAAAAABkAAAAZAAAAAAAAAAjAAAABAAAAGQAAAAXAAAAFAAAAAAAAAAAAAAA/38AAP9/AAAAAAAACQAAAAQAAAAAAAAAHgAAAGgAAAAAAAAAAAAAAAAAAAAAAAAAAAAAABAnAAAQJwAAAAAAAAAAAAAAAAAAAAAAAAAAAAAAAAAAAAAAAAAAAAAUAAAAAAAAAMDA/wAAAAAAZAAAADIAAAAAAAAAZAAAAAAAAAB/f38ACgAAACIAAAAYAAAAAAAAAAAAAAAAAAAAAAAAAAAAAAAAAAAAJAAAACQAAAAAAAAABwAAAAAAAAAAAAAAAAAAAAAAAAAAAAAAAAAAAH9/fwAlAAAAWAAAAAAAAAAAAAAAAAAAAAAAAAAAAAAAAAAAAAAAAAAAAAAAAAAAAAAAAAAAAAAAPwAAAAAAAACghgEAAAAAAAAAAAAAAAAADAAAAAEAAAAAAAAAAAAAAAAAAAAfAAAAVAAAAP///wAAAAAAAAAAAAAAAAAAAAAAAAAAAAAAAAAAAAAAAAAAAAAAAAAAAAAAf39/AH9/fwDMzMwAwMD/AH9/fwAAAAAAAAAAAAAAAAD///8AAAAAACEAAAAYAAAAFAAAANoFAACrAQAAbiYAALsPAAAQAAAAJgAAAAgAAAD//////////zAAAAAUAAAAAAAAAAAA//8AAAEAAAD//wAAAQA="/>
               </a:ext>
             </a:extLst>
           </p:cNvPicPr>
@@ -5245,7 +5245,7 @@
             <a:picLocks noChangeAspect="1"/>
             <a:extLst>
               <a:ext uri="smNativeData">
-                <pr:smNativeData xmlns:mc="http://schemas.openxmlformats.org/markup-compatibility/2006" xmlns:p14="http://schemas.microsoft.com/office/powerpoint/2010/main" xmlns:p15="http://schemas.microsoft.com/office/powerpoint/2012/main" xmlns:pr="smNativeData" xmlns="smNativeData" val="SMDATA_18_xzE7ZxMAAAAlAAAAEQAAAC0AAAAAkAAAAEgAAACQAAAASAAAAAAAAAAAAAAAAAAAAAEAAABQAAAAAAAAAAAA4D8AAAAAAADgPwAAAAAAAOA/AAAAAAAA4D8AAAAAAADgPwAAAAAAAOA/AAAAAAAA4D8AAAAAAADgPwAAAAAAAOA/AAAAAAAA4D8CAAAAjAAAAAAAAAAAAAAA////AAAAAAAAAAAAAAAAAAAAAAAAAAAAAAAAAAAAAAAAAAAAZAAAAAEAAABAAAAAAAAAAAAAAAAAAAAAAAAAAAAAAAAAAAAAAAAAAAAAAAAAAAAAAAAAAAAAAAAAAAAAAAAAAAAAAAAAAAAAAAAAAAAAAAAAAAAAAAAAAAAAAAAAAAAAFAAAADwAAAAAAAAAAAAAAAAAAAAUAAAAAQAAABQAAAAUAAAAFAAAAAEAAAAAAAAAZAAAAGQAAAAAAAAAZAAAAGQAAAAVAAAAYAAAAAAAAAAAAAAADwAAACADAAAAAAAAAAAAAAEAAACgMgAAVgcAAKr4//8BAAAAf39/AAEAAABkAAAAAAAAABQAAABAHwAAAAAAACYAAAAAAAAAwOD//wAAAAAmAAAAZAAAABYAAABMAAAAAAAAAAAAAAAEAAAAAAAAAAEAAAB/f38AAAAAACgAAAAoAAAAZAAAAGQAAAAAAAAAzMzMAAAAAABQAAAAUAAAAGQAAABkAAAAAAAAAAcAAAA4AAAAAAAAAAAAAAAAAAAA////AAAAAAAAAAAAAAAAAAAAAAAAAAAAAAAAAAAAAABkAAAAZAAAAAAAAAAjAAAABAAAAGQAAAAXAAAAFAAAAAAAAAAAAAAA/38AAP9/AAAAAAAACQAAAAQAAAAAAAAAHgAAAGgAAAAAAAAAAAAAAAAAAAAAAAAAAAAAABAnAAAQJwAAAAAAAAAAAAAAAAAAAAAAAAAAAAAAAAAAAAAAAAAAAAAUAAAAAAAAAMDA/wAAAAAAZAAAADIAAAAAAAAAZAAAAAAAAAB/f38ACgAAACIAAAAYAAAAAAAAAAAAAAAAAAAAAAAAAAAAAAAAAAAAJAAAACQAAAAAAAAABwAAAAAAAAAAAAAAAAAAAAAAAAAAAAAAAAAAAH9/fwAlAAAAWAAAAAAAAAAAAAAAAAAAAAAAAAAAAAAAAAAAAAAAAAAAAAAAAAAAAAAAAAAAAAAAPwAAAAAAAACghgEAAAAAAAAAAAAAAAAADAAAAAEAAAAAAAAAAAAAAAAAAAAfAAAAVAAAAP///wAAAAAAAAAAAAAAAAAAAAAAAAAAAAAAAAAAAAAAAAAAAAAAAAAAAAAAf39/AH9/fwDMzMwAwMD/AH9/fwAAAAAAAAAAAAAAAAD///8AAAAAACEAAAAYAAAAFAAAALYFAAAJEgAA6goAANgVAAAQAAAAJgAAAAgAAAD//////////zAAAAAUAAAAAAAAAAAA//8AAAEAAAD//wAAAQA="/>
+                <pr:smNativeData xmlns="smNativeData" xmlns:pr="smNativeData" xmlns:p15="http://schemas.microsoft.com/office/powerpoint/2012/main" xmlns:p14="http://schemas.microsoft.com/office/powerpoint/2010/main" xmlns:mc="http://schemas.openxmlformats.org/markup-compatibility/2006" val="SMDATA_18_xzE7ZxMAAAAlAAAAEQAAAC0AAAAAkAAAAEgAAACQAAAASAAAAAAAAAAAAAAAAAAAAAEAAABQAAAAAAAAAAAA4D8AAAAAAADgPwAAAAAAAOA/AAAAAAAA4D8AAAAAAADgPwAAAAAAAOA/AAAAAAAA4D8AAAAAAADgPwAAAAAAAOA/AAAAAAAA4D8CAAAAjAAAAAAAAAAAAAAA////AAAAAAAAAAAAAAAAAAAAAAAAAAAAAAAAAAAAAAAAAAAAZAAAAAEAAABAAAAAAAAAAAAAAAAAAAAAAAAAAAAAAAAAAAAAAAAAAAAAAAAAAAAAAAAAAAAAAAAAAAAAAAAAAAAAAAAAAAAAAAAAAAAAAAAAAAAAAAAAAAAAAAAAAAAAFAAAADwAAAAAAAAAAAAAAAAAAAAUAAAAAQAAABQAAAAUAAAAFAAAAAEAAAAAAAAAZAAAAGQAAAAAAAAAZAAAAGQAAAAVAAAAYAAAAAAAAAAAAAAADwAAACADAAAAAAAAAAAAAAEAAACgMgAAVgcAAKr4//8BAAAAf39/AAEAAABkAAAAAAAAABQAAABAHwAAAAAAACYAAAAAAAAAwOD//wAAAAAmAAAAZAAAABYAAABMAAAAAAAAAAAAAAAEAAAAAAAAAAEAAAB/f38AAAAAACgAAAAoAAAAZAAAAGQAAAAAAAAAzMzMAAAAAABQAAAAUAAAAGQAAABkAAAAAAAAAAcAAAA4AAAAAAAAAAAAAAAAAAAA////AAAAAAAAAAAAAAAAAAAAAAAAAAAAAAAAAAAAAABkAAAAZAAAAAAAAAAjAAAABAAAAGQAAAAXAAAAFAAAAAAAAAAAAAAA/38AAP9/AAAAAAAACQAAAAQAAAAAAAAAHgAAAGgAAAAAAAAAAAAAAAAAAAAAAAAAAAAAABAnAAAQJwAAAAAAAAAAAAAAAAAAAAAAAAAAAAAAAAAAAAAAAAAAAAAUAAAAAAAAAMDA/wAAAAAAZAAAADIAAAAAAAAAZAAAAAAAAAB/f38ACgAAACIAAAAYAAAAAAAAAAAAAAAAAAAAAAAAAAAAAAAAAAAAJAAAACQAAAAAAAAABwAAAAAAAAAAAAAAAAAAAAAAAAAAAAAAAAAAAH9/fwAlAAAAWAAAAAAAAAAAAAAAAAAAAAAAAAAAAAAAAAAAAAAAAAAAAAAAAAAAAAAAAAAAAAAAPwAAAAAAAACghgEAAAAAAAAAAAAAAAAADAAAAAEAAAAAAAAAAAAAAAAAAAAfAAAAVAAAAP///wAAAAAAAAAAAAAAAAAAAAAAAAAAAAAAAAAAAAAAAAAAAAAAAAAAAAAAf39/AH9/fwDMzMwAwMD/AH9/fwAAAAAAAAAAAAAAAAD///8AAAAAACEAAAAYAAAAFAAAALYFAAAJEgAA6goAANgVAAAQAAAAJgAAAAgAAAD//////////zAAAAAUAAAAAAAAAAAA//8AAAEAAAD//wAAAQA="/>
               </a:ext>
             </a:extLst>
           </p:cNvPicPr>
@@ -5279,7 +5279,7 @@
             <a:picLocks noChangeAspect="1"/>
             <a:extLst>
               <a:ext uri="smNativeData">
-                <pr:smNativeData xmlns:mc="http://schemas.openxmlformats.org/markup-compatibility/2006" xmlns:p14="http://schemas.microsoft.com/office/powerpoint/2010/main" xmlns:p15="http://schemas.microsoft.com/office/powerpoint/2012/main" xmlns:pr="smNativeData" xmlns="smNativeData" val="SMDATA_18_xzE7ZxMAAAAlAAAAEQAAAC0AAAAAkAAAAEgAAACQAAAASAAAAAAAAAAAAAAAAAAAAAEAAABQAAAAAAAAAAAA4D8AAAAAAADgPwAAAAAAAOA/AAAAAAAA4D8AAAAAAADgPwAAAAAAAOA/AAAAAAAA4D8AAAAAAADgPwAAAAAAAOA/AAAAAAAA4D8CAAAAjAAAAAAAAAAAAAAA////AAAAAAAAAAAAAAAAAAAAAAAAAAAAAAAAAAAAAAAAAAAAZAAAAAEAAABAAAAAAAAAAAAAAAAAAAAAAAAAAAAAAAAAAAAAAAAAAAAAAAAAAAAAAAAAAAAAAAAAAAAAAAAAAAAAAAAAAAAAAAAAAAAAAAAAAAAAAAAAAAAAAAAAAAAAFAAAADwAAAAAAAAAAAAAAAAAAAAUAAAAAQAAABQAAAAUAAAAFAAAAAEAAAAAAAAAZAAAAGQAAAAAAAAAZAAAAGQAAAAVAAAAYAAAAAAAAAAAAAAADwAAACADAAAAAAAAAAAAAAEAAACgMgAAVgcAAKr4//8BAAAAf39/AAEAAABkAAAAAAAAABQAAABAHwAAAAAAACYAAAAAAAAAwOD//wAAAAAmAAAAZAAAABYAAABMAAAAAAAAAAAAAAAEAAAAAAAAAAEAAAB/f38AAAAAACgAAAAoAAAAZAAAAGQAAAAAAAAAzMzMAAAAAABQAAAAUAAAAGQAAABkAAAAAAAAAAcAAAA4AAAAAAAAAAAAAAAAAAAA////AAAAAAAAAAAAAAAAAAAAAAAAAAAAAAAAAAAAAABkAAAAZAAAAAAAAAAjAAAABAAAAGQAAAAXAAAAFAAAAAAAAAAAAAAA/38AAP9/AAAAAAAACQAAAAQAAAAAAAAAHgAAAGgAAAAAAAAAAAAAAAAAAAAAAAAAAAAAABAnAAAQJwAAAAAAAAAAAAAAAAAAAAAAAAAAAAAAAAAAAAAAAAAAAAAUAAAAAAAAAMDA/wAAAAAAZAAAADIAAAAAAAAAZAAAAAAAAAB/f38ACgAAACIAAAAYAAAAAAAAAAAAAAAAAAAAAAAAAAAAAAAAAAAAJAAAACQAAAAAAAAABwAAAAAAAAAAAAAAAAAAAAAAAAAAAAAAAAAAAH9/fwAlAAAAWAAAAAAAAAAAAAAAAAAAAAAAAAAAAAAAAAAAAAAAAAAAAAAAAAAAAAAAAAAAAAAAPwAAAAAAAACghgEAAAAAAAAAAAAAAAAADAAAAAEAAAAAAAAAAAAAAAAAAAAfAAAAVAAAAP///wAAAAAAAAAAAAAAAAAAAAAAAAAAAAAAAAAAAAAAAAAAAAAAAAAAAAAAf39/AH9/fwDMzMwAwMD/AH9/fwAAAAAAAAAAAAAAAAD///8AAAAAACEAAAAYAAAAFAAAAFALAAD1EQAAfQ8AAHUVAAAQAAAAJgAAAAgAAAD//////////zAAAAAUAAAAAAAAAAAA//8AAAEAAAD//wAAAQA="/>
+                <pr:smNativeData xmlns="smNativeData" xmlns:pr="smNativeData" xmlns:p15="http://schemas.microsoft.com/office/powerpoint/2012/main" xmlns:p14="http://schemas.microsoft.com/office/powerpoint/2010/main" xmlns:mc="http://schemas.openxmlformats.org/markup-compatibility/2006" val="SMDATA_18_xzE7ZxMAAAAlAAAAEQAAAC0AAAAAkAAAAEgAAACQAAAASAAAAAAAAAAAAAAAAAAAAAEAAABQAAAAAAAAAAAA4D8AAAAAAADgPwAAAAAAAOA/AAAAAAAA4D8AAAAAAADgPwAAAAAAAOA/AAAAAAAA4D8AAAAAAADgPwAAAAAAAOA/AAAAAAAA4D8CAAAAjAAAAAAAAAAAAAAA////AAAAAAAAAAAAAAAAAAAAAAAAAAAAAAAAAAAAAAAAAAAAZAAAAAEAAABAAAAAAAAAAAAAAAAAAAAAAAAAAAAAAAAAAAAAAAAAAAAAAAAAAAAAAAAAAAAAAAAAAAAAAAAAAAAAAAAAAAAAAAAAAAAAAAAAAAAAAAAAAAAAAAAAAAAAFAAAADwAAAAAAAAAAAAAAAAAAAAUAAAAAQAAABQAAAAUAAAAFAAAAAEAAAAAAAAAZAAAAGQAAAAAAAAAZAAAAGQAAAAVAAAAYAAAAAAAAAAAAAAADwAAACADAAAAAAAAAAAAAAEAAACgMgAAVgcAAKr4//8BAAAAf39/AAEAAABkAAAAAAAAABQAAABAHwAAAAAAACYAAAAAAAAAwOD//wAAAAAmAAAAZAAAABYAAABMAAAAAAAAAAAAAAAEAAAAAAAAAAEAAAB/f38AAAAAACgAAAAoAAAAZAAAAGQAAAAAAAAAzMzMAAAAAABQAAAAUAAAAGQAAABkAAAAAAAAAAcAAAA4AAAAAAAAAAAAAAAAAAAA////AAAAAAAAAAAAAAAAAAAAAAAAAAAAAAAAAAAAAABkAAAAZAAAAAAAAAAjAAAABAAAAGQAAAAXAAAAFAAAAAAAAAAAAAAA/38AAP9/AAAAAAAACQAAAAQAAAAAAAAAHgAAAGgAAAAAAAAAAAAAAAAAAAAAAAAAAAAAABAnAAAQJwAAAAAAAAAAAAAAAAAAAAAAAAAAAAAAAAAAAAAAAAAAAAAUAAAAAAAAAMDA/wAAAAAAZAAAADIAAAAAAAAAZAAAAAAAAAB/f38ACgAAACIAAAAYAAAAAAAAAAAAAAAAAAAAAAAAAAAAAAAAAAAAJAAAACQAAAAAAAAABwAAAAAAAAAAAAAAAAAAAAAAAAAAAAAAAAAAAH9/fwAlAAAAWAAAAAAAAAAAAAAAAAAAAAAAAAAAAAAAAAAAAAAAAAAAAAAAAAAAAAAAAAAAAAAAPwAAAAAAAACghgEAAAAAAAAAAAAAAAAADAAAAAEAAAAAAAAAAAAAAAAAAAAfAAAAVAAAAP///wAAAAAAAAAAAAAAAAAAAAAAAAAAAAAAAAAAAAAAAAAAAAAAAAAAAAAAf39/AH9/fwDMzMwAwMD/AH9/fwAAAAAAAAAAAAAAAAD///8AAAAAACEAAAAYAAAAFAAAAFALAAD1EQAAfQ8AAHUVAAAQAAAAJgAAAAgAAAD//////////zAAAAAUAAAAAAAAAAAA//8AAAEAAAD//wAAAQA="/>
               </a:ext>
             </a:extLst>
           </p:cNvPicPr>
@@ -5313,7 +5313,7 @@
             <a:picLocks noChangeAspect="1"/>
             <a:extLst>
               <a:ext uri="smNativeData">
-                <pr:smNativeData xmlns:mc="http://schemas.openxmlformats.org/markup-compatibility/2006" xmlns:p14="http://schemas.microsoft.com/office/powerpoint/2010/main" xmlns:p15="http://schemas.microsoft.com/office/powerpoint/2012/main" xmlns:pr="smNativeData" xmlns="smNativeData" val="SMDATA_18_xzE7ZxMAAAAlAAAAEQAAAC0AAAAAkAAAAEgAAACQAAAASAAAAAAAAAAAAAAAAAAAAAEAAABQAAAAAAAAAAAA4D8AAAAAAADgPwAAAAAAAOA/AAAAAAAA4D8AAAAAAADgPwAAAAAAAOA/AAAAAAAA4D8AAAAAAADgPwAAAAAAAOA/AAAAAAAA4D8CAAAAjAAAAAAAAAAAAAAA////AAAAAAAAAAAAAAAAAAAAAAAAAAAAAAAAAAAAAAAAAAAAZAAAAAEAAABAAAAAAAAAAAAAAAAAAAAAAAAAAAAAAAAAAAAAAAAAAAAAAAAAAAAAAAAAAAAAAAAAAAAAAAAAAAAAAAAAAAAAAAAAAAAAAAAAAAAAAAAAAAAAAAAAAAAAFAAAADwAAAAAAAAAAAAAAAAAAAAUAAAAAQAAABQAAAAUAAAAFAAAAAEAAAAAAAAAZAAAAGQAAAAAAAAAZAAAAGQAAAAVAAAAYAAAAAAAAAAAAAAADwAAACADAAAAAAAAAAAAAAEAAACgMgAAVgcAAKr4//8BAAAAf39/AAEAAABkAAAAAAAAABQAAABAHwAAAAAAACYAAAAAAAAAwOD//wAAAAAmAAAAZAAAABYAAABMAAAAAAAAAAAAAAAEAAAAAAAAAAEAAAB/f38AAAAAACgAAAAoAAAAZAAAAGQAAAAAAAAAzMzMAAAAAABQAAAAUAAAAGQAAABkAAAAAAAAAAcAAAA4AAAAAAAAAAAAAAAAAAAA////AAAAAAAAAAAAAAAAAAAAAAAAAAAAAAAAAAAAAABkAAAAZAAAAAAAAAAjAAAABAAAAGQAAAAXAAAAFAAAAAAAAAAAAAAA/38AAP9/AAAAAAAACQAAAAQAAAAAAAAAHgAAAGgAAAAAAAAAAAAAAAAAAAAAAAAAAAAAABAnAAAQJwAAAAAAAAAAAAAAAAAAAAAAAAAAAAAAAAAAAAAAAAAAAAAUAAAAAAAAAMDA/wAAAAAAZAAAADIAAAAAAAAAZAAAAAAAAAB/f38ACgAAACIAAAAYAAAAAAAAAAAAAAAAAAAAAAAAAAAAAAAAAAAAJAAAACQAAAAAAAAABwAAAAAAAAAAAAAAAAAAAAAAAAAAAAAAAAAAAH9/fwAlAAAAWAAAAAAAAAAAAAAAAAAAAAAAAAAAAAAAAAAAAAAAAAAAAAAAAAAAAAAAAAAAAAAAPwAAAAAAAACghgEAAAAAAAAAAAAAAAAADAAAAAEAAAAAAAAAAAAAAAAAAAAfAAAAVAAAAP///wAAAAAAAAAAAAAAAAAAAAAAAAAAAAAAAAAAAAAAAAAAAAAAAAAAAAAAf39/AH9/fwDMzMwAwMD/AH9/fwAAAAAAAAAAAAAAAAD///8AAAAAACEAAAAYAAAAFAAAACYQAADpEAAA/BUAAIEVAAAQAAAAJgAAAAgAAAD//////////zAAAAAUAAAAAAAAAAAA//8AAAEAAAD//wAAAQA="/>
+                <pr:smNativeData xmlns="smNativeData" xmlns:pr="smNativeData" xmlns:p15="http://schemas.microsoft.com/office/powerpoint/2012/main" xmlns:p14="http://schemas.microsoft.com/office/powerpoint/2010/main" xmlns:mc="http://schemas.openxmlformats.org/markup-compatibility/2006" val="SMDATA_18_xzE7ZxMAAAAlAAAAEQAAAC0AAAAAkAAAAEgAAACQAAAASAAAAAAAAAAAAAAAAAAAAAEAAABQAAAAAAAAAAAA4D8AAAAAAADgPwAAAAAAAOA/AAAAAAAA4D8AAAAAAADgPwAAAAAAAOA/AAAAAAAA4D8AAAAAAADgPwAAAAAAAOA/AAAAAAAA4D8CAAAAjAAAAAAAAAAAAAAA////AAAAAAAAAAAAAAAAAAAAAAAAAAAAAAAAAAAAAAAAAAAAZAAAAAEAAABAAAAAAAAAAAAAAAAAAAAAAAAAAAAAAAAAAAAAAAAAAAAAAAAAAAAAAAAAAAAAAAAAAAAAAAAAAAAAAAAAAAAAAAAAAAAAAAAAAAAAAAAAAAAAAAAAAAAAFAAAADwAAAAAAAAAAAAAAAAAAAAUAAAAAQAAABQAAAAUAAAAFAAAAAEAAAAAAAAAZAAAAGQAAAAAAAAAZAAAAGQAAAAVAAAAYAAAAAAAAAAAAAAADwAAACADAAAAAAAAAAAAAAEAAACgMgAAVgcAAKr4//8BAAAAf39/AAEAAABkAAAAAAAAABQAAABAHwAAAAAAACYAAAAAAAAAwOD//wAAAAAmAAAAZAAAABYAAABMAAAAAAAAAAAAAAAEAAAAAAAAAAEAAAB/f38AAAAAACgAAAAoAAAAZAAAAGQAAAAAAAAAzMzMAAAAAABQAAAAUAAAAGQAAABkAAAAAAAAAAcAAAA4AAAAAAAAAAAAAAAAAAAA////AAAAAAAAAAAAAAAAAAAAAAAAAAAAAAAAAAAAAABkAAAAZAAAAAAAAAAjAAAABAAAAGQAAAAXAAAAFAAAAAAAAAAAAAAA/38AAP9/AAAAAAAACQAAAAQAAAAAAAAAHgAAAGgAAAAAAAAAAAAAAAAAAAAAAAAAAAAAABAnAAAQJwAAAAAAAAAAAAAAAAAAAAAAAAAAAAAAAAAAAAAAAAAAAAAUAAAAAAAAAMDA/wAAAAAAZAAAADIAAAAAAAAAZAAAAAAAAAB/f38ACgAAACIAAAAYAAAAAAAAAAAAAAAAAAAAAAAAAAAAAAAAAAAAJAAAACQAAAAAAAAABwAAAAAAAAAAAAAAAAAAAAAAAAAAAAAAAAAAAH9/fwAlAAAAWAAAAAAAAAAAAAAAAAAAAAAAAAAAAAAAAAAAAAAAAAAAAAAAAAAAAAAAAAAAAAAAPwAAAAAAAACghgEAAAAAAAAAAAAAAAAADAAAAAEAAAAAAAAAAAAAAAAAAAAfAAAAVAAAAP///wAAAAAAAAAAAAAAAAAAAAAAAAAAAAAAAAAAAAAAAAAAAAAAAAAAAAAAf39/AH9/fwDMzMwAwMD/AH9/fwAAAAAAAAAAAAAAAAD///8AAAAAACEAAAAYAAAAFAAAACYQAADpEAAA/BUAAIEVAAAQAAAAJgAAAAgAAAD//////////zAAAAAUAAAAAAAAAAAA//8AAAEAAAD//wAAAQA="/>
               </a:ext>
             </a:extLst>
           </p:cNvPicPr>
@@ -5347,7 +5347,7 @@
             <a:picLocks noChangeAspect="1"/>
             <a:extLst>
               <a:ext uri="smNativeData">
-                <pr:smNativeData xmlns:mc="http://schemas.openxmlformats.org/markup-compatibility/2006" xmlns:p14="http://schemas.microsoft.com/office/powerpoint/2010/main" xmlns:p15="http://schemas.microsoft.com/office/powerpoint/2012/main" xmlns:pr="smNativeData" xmlns="smNativeData" val="SMDATA_18_xzE7ZxMAAAAlAAAAEQAAAC0AAAAAkAAAAEgAAACQAAAASAAAAAAAAAAAAAAAAAAAAAEAAABQAAAAAAAAAAAA4D8AAAAAAADgPwAAAAAAAOA/AAAAAAAA4D8AAAAAAADgPwAAAAAAAOA/AAAAAAAA4D8AAAAAAADgPwAAAAAAAOA/AAAAAAAA4D8CAAAAjAAAAAAAAAAAAAAA////AAAAAAAAAAAAAAAAAAAAAAAAAAAAAAAAAAAAAAAAAAAAZAAAAAEAAABAAAAAAAAAAAAAAAAAAAAAAAAAAAAAAAAAAAAAAAAAAAAAAAAAAAAAAAAAAAAAAAAAAAAAAAAAAAAAAAAAAAAAAAAAAAAAAAAAAAAAAAAAAAAAAAAAAAAAFAAAADwAAAAAAAAAAAAAAAAAAAAUAAAAAQAAABQAAAAUAAAAFAAAAAEAAAAAAAAAZAAAAGQAAAAAAAAAZAAAAGQAAAAVAAAAYAAAAAAAAAAAAAAADwAAACADAAAAAAAAAAAAAAEAAACgMgAAVgcAAKr4//8BAAAAf39/AAEAAABkAAAAAAAAABQAAABAHwAAAAAAACYAAAAAAAAAwOD//wAAAAAmAAAAZAAAABYAAABMAAAAAAAAAAAAAAAEAAAAAAAAAAEAAAB/f38AAAAAACgAAAAoAAAAZAAAAGQAAAAAAAAAzMzMAAAAAABQAAAAUAAAAGQAAABkAAAAAAAAAAcAAAA4AAAAAAAAAAAAAAAAAAAA////AAAAAAAAAAAAAAAAAAAAAAAAAAAAAAAAAAAAAABkAAAAZAAAAAAAAAAjAAAABAAAAGQAAAAXAAAAFAAAAAAAAAAAAAAA/38AAP9/AAAAAAAACQAAAAQAAAAAAAAAHgAAAGgAAAAAAAAAAAAAAAAAAAAAAAAAAAAAABAnAAAQJwAAAAAAAAAAAAAAAAAAAAAAAAAAAAAAAAAAAAAAAAAAAAAUAAAAAAAAAMDA/wAAAAAAZAAAADIAAAAAAAAAZAAAAAAAAAB/f38ACgAAACIAAAAYAAAAAAAAAAAAAAAAAAAAAAAAAAAAAAAAAAAAJAAAACQAAAAAAAAABwAAAAAAAAAAAAAAAAAAAAAAAAAAAAAAAAAAAH9/fwAlAAAAWAAAAAAAAAAAAAAAAAAAAAAAAAAAAAAAAAAAAAAAAAAAAAAAAAAAAAAAAAAAAAAAPwAAAAAAAACghgEAAAAAAAAAAAAAAAAADAAAAAEAAAAAAAAAAAAAAAAAAAAfAAAAVAAAAP///wAAAAAAAAAAAAAAAAAAAAAAAAAAAAAAAAAAAAAAAAAAAAAAAAAAAAAAf39/AH9/fwDMzMwAwMD/AH9/fwAAAAAAAAAAAAAAAAD///8AAAAAACEAAAAYAAAAFAAAABcWAACxEAAAMxsAAFIVAAAQAAAAJgAAAAgAAAD//////////zAAAAAUAAAAAAAAAAAA//8AAAEAAAD//wAAAQA="/>
+                <pr:smNativeData xmlns="smNativeData" xmlns:pr="smNativeData" xmlns:p15="http://schemas.microsoft.com/office/powerpoint/2012/main" xmlns:p14="http://schemas.microsoft.com/office/powerpoint/2010/main" xmlns:mc="http://schemas.openxmlformats.org/markup-compatibility/2006" val="SMDATA_18_xzE7ZxMAAAAlAAAAEQAAAC0AAAAAkAAAAEgAAACQAAAASAAAAAAAAAAAAAAAAAAAAAEAAABQAAAAAAAAAAAA4D8AAAAAAADgPwAAAAAAAOA/AAAAAAAA4D8AAAAAAADgPwAAAAAAAOA/AAAAAAAA4D8AAAAAAADgPwAAAAAAAOA/AAAAAAAA4D8CAAAAjAAAAAAAAAAAAAAA////AAAAAAAAAAAAAAAAAAAAAAAAAAAAAAAAAAAAAAAAAAAAZAAAAAEAAABAAAAAAAAAAAAAAAAAAAAAAAAAAAAAAAAAAAAAAAAAAAAAAAAAAAAAAAAAAAAAAAAAAAAAAAAAAAAAAAAAAAAAAAAAAAAAAAAAAAAAAAAAAAAAAAAAAAAAFAAAADwAAAAAAAAAAAAAAAAAAAAUAAAAAQAAABQAAAAUAAAAFAAAAAEAAAAAAAAAZAAAAGQAAAAAAAAAZAAAAGQAAAAVAAAAYAAAAAAAAAAAAAAADwAAACADAAAAAAAAAAAAAAEAAACgMgAAVgcAAKr4//8BAAAAf39/AAEAAABkAAAAAAAAABQAAABAHwAAAAAAACYAAAAAAAAAwOD//wAAAAAmAAAAZAAAABYAAABMAAAAAAAAAAAAAAAEAAAAAAAAAAEAAAB/f38AAAAAACgAAAAoAAAAZAAAAGQAAAAAAAAAzMzMAAAAAABQAAAAUAAAAGQAAABkAAAAAAAAAAcAAAA4AAAAAAAAAAAAAAAAAAAA////AAAAAAAAAAAAAAAAAAAAAAAAAAAAAAAAAAAAAABkAAAAZAAAAAAAAAAjAAAABAAAAGQAAAAXAAAAFAAAAAAAAAAAAAAA/38AAP9/AAAAAAAACQAAAAQAAAAAAAAAHgAAAGgAAAAAAAAAAAAAAAAAAAAAAAAAAAAAABAnAAAQJwAAAAAAAAAAAAAAAAAAAAAAAAAAAAAAAAAAAAAAAAAAAAAUAAAAAAAAAMDA/wAAAAAAZAAAADIAAAAAAAAAZAAAAAAAAAB/f38ACgAAACIAAAAYAAAAAAAAAAAAAAAAAAAAAAAAAAAAAAAAAAAAJAAAACQAAAAAAAAABwAAAAAAAAAAAAAAAAAAAAAAAAAAAAAAAAAAAH9/fwAlAAAAWAAAAAAAAAAAAAAAAAAAAAAAAAAAAAAAAAAAAAAAAAAAAAAAAAAAAAAAAAAAAAAAPwAAAAAAAACghgEAAAAAAAAAAAAAAAAADAAAAAEAAAAAAAAAAAAAAAAAAAAfAAAAVAAAAP///wAAAAAAAAAAAAAAAAAAAAAAAAAAAAAAAAAAAAAAAAAAAAAAAAAAAAAAf39/AH9/fwDMzMwAwMD/AH9/fwAAAAAAAAAAAAAAAAD///8AAAAAACEAAAAYAAAAFAAAABcWAACxEAAAMxsAAFIVAAAQAAAAJgAAAAgAAAD//////////zAAAAAUAAAAAAAAAAAA//8AAAEAAAD//wAAAQA="/>
               </a:ext>
             </a:extLst>
           </p:cNvPicPr>
@@ -5381,7 +5381,7 @@
             <a:picLocks noChangeAspect="1"/>
             <a:extLst>
               <a:ext uri="smNativeData">
-                <pr:smNativeData xmlns:mc="http://schemas.openxmlformats.org/markup-compatibility/2006" xmlns:p14="http://schemas.microsoft.com/office/powerpoint/2010/main" xmlns:p15="http://schemas.microsoft.com/office/powerpoint/2012/main" xmlns:pr="smNativeData" xmlns="smNativeData" val="SMDATA_18_xzE7ZxMAAAAlAAAAEQAAAC0AAAAAkAAAAEgAAACQAAAASAAAAAAAAAAAAAAAAAAAAAEAAABQAAAAAAAAAAAA4D8AAAAAAADgPwAAAAAAAOA/AAAAAAAA4D8AAAAAAADgPwAAAAAAAOA/AAAAAAAA4D8AAAAAAADgPwAAAAAAAOA/AAAAAAAA4D8CAAAAjAAAAAAAAAAAAAAA////AAAAAAAAAAAAAAAAAAAAAAAAAAAAAAAAAAAAAAAAAAAAZAAAAAEAAABAAAAAAAAAAAAAAAAAAAAAAAAAAAAAAAAAAAAAAAAAAAAAAAAAAAAAAAAAAAAAAAAAAAAAAAAAAAAAAAAAAAAAAAAAAAAAAAAAAAAAAAAAAAAAAAAAAAAAFAAAADwAAAAAAAAAAAAAAAAAAAAUAAAAAQAAABQAAAAUAAAAFAAAAAEAAAAAAAAAZAAAAGQAAAAAAAAAZAAAAGQAAAAVAAAAYAAAAAAAAAAAAAAADwAAACADAAAAAAAAAAAAAAEAAACgMgAAVgcAAKr4//8BAAAAf39/AAEAAABkAAAAAAAAABQAAABAHwAAAAAAACYAAAAAAAAAwOD//wAAAAAmAAAAZAAAABYAAABMAAAAAAAAAAAAAAAEAAAAAAAAAAEAAAB/f38AAAAAACgAAAAoAAAAZAAAAGQAAAAAAAAAzMzMAAAAAABQAAAAUAAAAGQAAABkAAAAAAAAAAcAAAA4AAAAAAAAAAAAAAAAAAAA////AAAAAAAAAAAAAAAAAAAAAAAAAAAAAAAAAAAAAABkAAAAZAAAAAAAAAAjAAAABAAAAGQAAAAXAAAAFAAAAAAAAAAAAAAA/38AAP9/AAAAAAAACQAAAAQAAAAAAAAAHgAAAGgAAAAAAAAAAAAAAAAAAAAAAAAAAAAAABAnAAAQJwAAAAAAAAAAAAAAAAAAAAAAAAAAAAAAAAAAAAAAAAAAAAAUAAAAAAAAAMDA/wAAAAAAZAAAADIAAAAAAAAAZAAAAAAAAAB/f38ACgAAACIAAAAYAAAAAAAAAAAAAAAAAAAAAAAAAAAAAAAAAAAAJAAAACQAAAAAAAAABwAAAAAAAAAAAAAAAAAAAAAAAAAAAAAAAAAAAH9/fwAlAAAAWAAAAAAAAAAAAAAAAAAAAAAAAAAAAAAAAAAAAAAAAAAAAAAAAAAAAAAAAAAAAAAAPwAAAAAAAACghgEAAAAAAAAAAAAAAAAADAAAAAEAAAAAAAAAAAAAAAAAAAAfAAAAVAAAAP///wAAAAAAAAAAAAAAAAAAAAAAAAAAAAAAAAAAAAAAAAAAAAAAAAAAAAAAf39/AH9/fwDMzMwAwMD/AH9/fwAAAAAAAAAAAAAAAAD///8AAAAAACEAAAAYAAAAFAAAAAsbAACJEQAAFyAAADsVAAAQAAAAJgAAAAgAAAD//////////zAAAAAUAAAAAAAAAAAA//8AAAEAAAD//wAAAQA="/>
+                <pr:smNativeData xmlns="smNativeData" xmlns:pr="smNativeData" xmlns:p15="http://schemas.microsoft.com/office/powerpoint/2012/main" xmlns:p14="http://schemas.microsoft.com/office/powerpoint/2010/main" xmlns:mc="http://schemas.openxmlformats.org/markup-compatibility/2006" val="SMDATA_18_xzE7ZxMAAAAlAAAAEQAAAC0AAAAAkAAAAEgAAACQAAAASAAAAAAAAAAAAAAAAAAAAAEAAABQAAAAAAAAAAAA4D8AAAAAAADgPwAAAAAAAOA/AAAAAAAA4D8AAAAAAADgPwAAAAAAAOA/AAAAAAAA4D8AAAAAAADgPwAAAAAAAOA/AAAAAAAA4D8CAAAAjAAAAAAAAAAAAAAA////AAAAAAAAAAAAAAAAAAAAAAAAAAAAAAAAAAAAAAAAAAAAZAAAAAEAAABAAAAAAAAAAAAAAAAAAAAAAAAAAAAAAAAAAAAAAAAAAAAAAAAAAAAAAAAAAAAAAAAAAAAAAAAAAAAAAAAAAAAAAAAAAAAAAAAAAAAAAAAAAAAAAAAAAAAAFAAAADwAAAAAAAAAAAAAAAAAAAAUAAAAAQAAABQAAAAUAAAAFAAAAAEAAAAAAAAAZAAAAGQAAAAAAAAAZAAAAGQAAAAVAAAAYAAAAAAAAAAAAAAADwAAACADAAAAAAAAAAAAAAEAAACgMgAAVgcAAKr4//8BAAAAf39/AAEAAABkAAAAAAAAABQAAABAHwAAAAAAACYAAAAAAAAAwOD//wAAAAAmAAAAZAAAABYAAABMAAAAAAAAAAAAAAAEAAAAAAAAAAEAAAB/f38AAAAAACgAAAAoAAAAZAAAAGQAAAAAAAAAzMzMAAAAAABQAAAAUAAAAGQAAABkAAAAAAAAAAcAAAA4AAAAAAAAAAAAAAAAAAAA////AAAAAAAAAAAAAAAAAAAAAAAAAAAAAAAAAAAAAABkAAAAZAAAAAAAAAAjAAAABAAAAGQAAAAXAAAAFAAAAAAAAAAAAAAA/38AAP9/AAAAAAAACQAAAAQAAAAAAAAAHgAAAGgAAAAAAAAAAAAAAAAAAAAAAAAAAAAAABAnAAAQJwAAAAAAAAAAAAAAAAAAAAAAAAAAAAAAAAAAAAAAAAAAAAAUAAAAAAAAAMDA/wAAAAAAZAAAADIAAAAAAAAAZAAAAAAAAAB/f38ACgAAACIAAAAYAAAAAAAAAAAAAAAAAAAAAAAAAAAAAAAAAAAAJAAAACQAAAAAAAAABwAAAAAAAAAAAAAAAAAAAAAAAAAAAAAAAAAAAH9/fwAlAAAAWAAAAAAAAAAAAAAAAAAAAAAAAAAAAAAAAAAAAAAAAAAAAAAAAAAAAAAAAAAAAAAAPwAAAAAAAACghgEAAAAAAAAAAAAAAAAADAAAAAEAAAAAAAAAAAAAAAAAAAAfAAAAVAAAAP///wAAAAAAAAAAAAAAAAAAAAAAAAAAAAAAAAAAAAAAAAAAAAAAAAAAAAAAf39/AH9/fwDMzMwAwMD/AH9/fwAAAAAAAAAAAAAAAAD///8AAAAAACEAAAAYAAAAFAAAAAsbAACJEQAAFyAAADsVAAAQAAAAJgAAAAgAAAD//////////zAAAAAUAAAAAAAAAAAA//8AAAEAAAD//wAAAQA="/>
               </a:ext>
             </a:extLst>
           </p:cNvPicPr>
@@ -5415,7 +5415,7 @@
             <a:picLocks noChangeAspect="1"/>
             <a:extLst>
               <a:ext uri="smNativeData">
-                <pr:smNativeData xmlns:mc="http://schemas.openxmlformats.org/markup-compatibility/2006" xmlns:p14="http://schemas.microsoft.com/office/powerpoint/2010/main" xmlns:p15="http://schemas.microsoft.com/office/powerpoint/2012/main" xmlns:pr="smNativeData" xmlns="smNativeData" val="SMDATA_18_xzE7ZxMAAAAlAAAAEQAAAC0AAAAAkAAAAEgAAACQAAAASAAAAAAAAAAAAAAAAAAAAAEAAABQAAAAAAAAAAAA4D8AAAAAAADgPwAAAAAAAOA/AAAAAAAA4D8AAAAAAADgPwAAAAAAAOA/AAAAAAAA4D8AAAAAAADgPwAAAAAAAOA/AAAAAAAA4D8CAAAAjAAAAAAAAAAAAAAA////AAAAAAAAAAAAAAAAAAAAAAAAAAAAAAAAAAAAAAAAAAAAZAAAAAEAAABAAAAAAAAAAAAAAAAAAAAAAAAAAAAAAAAAAAAAAAAAAAAAAAAAAAAAAAAAAAAAAAAAAAAAAAAAAAAAAAAAAAAAAAAAAAAAAAAAAAAAAAAAAAAAAAAAAAAAFAAAADwAAAAAAAAAAAAAAAAAAAAUAAAAAQAAABQAAAAUAAAAFAAAAAEAAAAAAAAAZAAAAGQAAAAAAAAAZAAAAGQAAAAVAAAAYAAAAAAAAAAAAAAADwAAACADAAAAAAAAAAAAAAEAAACgMgAAVgcAAKr4//8BAAAAf39/AAEAAABkAAAAAAAAABQAAABAHwAAAAAAACYAAAAAAAAAwOD//wAAAAAmAAAAZAAAABYAAABMAAAAAAAAAAAAAAAEAAAAAAAAAAEAAAB/f38AAAAAACgAAAAoAAAAZAAAAGQAAAAAAAAAzMzMAAAAAABQAAAAUAAAAGQAAABkAAAAAAAAAAcAAAA4AAAAAAAAAAAAAAAAAAAA////AAAAAAAAAAAAAAAAAAAAAAAAAAAAAAAAAAAAAABkAAAAZAAAAAAAAAAjAAAABAAAAGQAAAAXAAAAFAAAAAAAAAAAAAAA/38AAP9/AAAAAAAACQAAAAQAAAAAAAAAHgAAAGgAAAAAAAAAAAAAAAAAAAAAAAAAAAAAABAnAAAQJwAAAAAAAAAAAAAAAAAAAAAAAAAAAAAAAAAAAAAAAAAAAAAUAAAAAAAAAMDA/wAAAAAAZAAAADIAAAAAAAAAZAAAAAAAAAB/f38ACgAAACIAAAAYAAAAAAAAAAAAAAAAAAAAAAAAAAAAAAAAAAAAJAAAACQAAAAAAAAABwAAAAAAAAAAAAAAAAAAAAAAAAAAAAAAAAAAAH9/fwAlAAAAWAAAAAAAAAAAAAAAAAAAAAAAAAAAAAAAAAAAAAAAAAAAAAAAAAAAAAAAAAAAAAAAPwAAAAAAAACghgEAAAAAAAAAAAAAAAAADAAAAAEAAAAAAAAAAAAAAAAAAAAfAAAAVAAAAP///wAAAAAAAAAAAAAAAAAAAAAAAAAAAAAAAAAAAAAAAAAAAAAAAAAAAAAAf39/AH9/fwDMzMwAwMD/AH9/fwAAAAAAAAAAAAAAAAD///8AAAAAACEAAAAYAAAAFAAAADogAAB4EQAAlCUAAGIVAAAQAAAAJgAAAAgAAAD//////////zAAAAAUAAAAAAAAAAAA//8AAAEAAAD//wAAAQA="/>
+                <pr:smNativeData xmlns="smNativeData" xmlns:pr="smNativeData" xmlns:p15="http://schemas.microsoft.com/office/powerpoint/2012/main" xmlns:p14="http://schemas.microsoft.com/office/powerpoint/2010/main" xmlns:mc="http://schemas.openxmlformats.org/markup-compatibility/2006" val="SMDATA_18_xzE7ZxMAAAAlAAAAEQAAAC0AAAAAkAAAAEgAAACQAAAASAAAAAAAAAAAAAAAAAAAAAEAAABQAAAAAAAAAAAA4D8AAAAAAADgPwAAAAAAAOA/AAAAAAAA4D8AAAAAAADgPwAAAAAAAOA/AAAAAAAA4D8AAAAAAADgPwAAAAAAAOA/AAAAAAAA4D8CAAAAjAAAAAAAAAAAAAAA////AAAAAAAAAAAAAAAAAAAAAAAAAAAAAAAAAAAAAAAAAAAAZAAAAAEAAABAAAAAAAAAAAAAAAAAAAAAAAAAAAAAAAAAAAAAAAAAAAAAAAAAAAAAAAAAAAAAAAAAAAAAAAAAAAAAAAAAAAAAAAAAAAAAAAAAAAAAAAAAAAAAAAAAAAAAFAAAADwAAAAAAAAAAAAAAAAAAAAUAAAAAQAAABQAAAAUAAAAFAAAAAEAAAAAAAAAZAAAAGQAAAAAAAAAZAAAAGQAAAAVAAAAYAAAAAAAAAAAAAAADwAAACADAAAAAAAAAAAAAAEAAACgMgAAVgcAAKr4//8BAAAAf39/AAEAAABkAAAAAAAAABQAAABAHwAAAAAAACYAAAAAAAAAwOD//wAAAAAmAAAAZAAAABYAAABMAAAAAAAAAAAAAAAEAAAAAAAAAAEAAAB/f38AAAAAACgAAAAoAAAAZAAAAGQAAAAAAAAAzMzMAAAAAABQAAAAUAAAAGQAAABkAAAAAAAAAAcAAAA4AAAAAAAAAAAAAAAAAAAA////AAAAAAAAAAAAAAAAAAAAAAAAAAAAAAAAAAAAAABkAAAAZAAAAAAAAAAjAAAABAAAAGQAAAAXAAAAFAAAAAAAAAAAAAAA/38AAP9/AAAAAAAACQAAAAQAAAAAAAAAHgAAAGgAAAAAAAAAAAAAAAAAAAAAAAAAAAAAABAnAAAQJwAAAAAAAAAAAAAAAAAAAAAAAAAAAAAAAAAAAAAAAAAAAAAUAAAAAAAAAMDA/wAAAAAAZAAAADIAAAAAAAAAZAAAAAAAAAB/f38ACgAAACIAAAAYAAAAAAAAAAAAAAAAAAAAAAAAAAAAAAAAAAAAJAAAACQAAAAAAAAABwAAAAAAAAAAAAAAAAAAAAAAAAAAAAAAAAAAAH9/fwAlAAAAWAAAAAAAAAAAAAAAAAAAAAAAAAAAAAAAAAAAAAAAAAAAAAAAAAAAAAAAAAAAAAAAPwAAAAAAAACghgEAAAAAAAAAAAAAAAAADAAAAAEAAAAAAAAAAAAAAAAAAAAfAAAAVAAAAP///wAAAAAAAAAAAAAAAAAAAAAAAAAAAAAAAAAAAAAAAAAAAAAAAAAAAAAAf39/AH9/fwDMzMwAwMD/AH9/fwAAAAAAAAAAAAAAAAD///8AAAAAACEAAAAYAAAAFAAAADogAAB4EQAAlCUAAGIVAAAQAAAAJgAAAAgAAAD//////////zAAAAAUAAAAAAAAAAAA//8AAAEAAAD//wAAAQA="/>
               </a:ext>
             </a:extLst>
           </p:cNvPicPr>
@@ -5449,7 +5449,7 @@
             <a:picLocks noChangeAspect="1"/>
             <a:extLst>
               <a:ext uri="smNativeData">
-                <pr:smNativeData xmlns:mc="http://schemas.openxmlformats.org/markup-compatibility/2006" xmlns:p14="http://schemas.microsoft.com/office/powerpoint/2010/main" xmlns:p15="http://schemas.microsoft.com/office/powerpoint/2012/main" xmlns:pr="smNativeData" xmlns="smNativeData" val="SMDATA_18_xzE7ZxMAAAAlAAAAEQAAAC8BAAAAkAAAAEgAAACQAAAASAAAAAAAAAAAAAAAAAAAAAEAAABQAAAAAAAAAAAA4D8AAAAAAADgPwAAAAAAAOA/AAAAAAAA4D8AAAAAAADgPwAAAAAAAOA/AAAAAAAA4D8AAAAAAADgPwAAAAAAAOA/AAAAAAAA4D8CAAAAjAAAAAAAAAAAAAAARHLEDP///wgAAAAAAAAAAAAAAAAAAAAAAAAAAAAAAAAAAAAAZAAAAAEAAABAAAAAAAAAAAAAAAAAAAAAAAAAAAAAAAAAAAAAAAAAAAAAAAAAAAAAAAAAAAAAAAAAAAAAAAAAAAAAAAAAAAAAAAAAAAAAAAAAAAAAAAAAAAAAAAAAAAAAFAAAADwAAAAAAAAAAAAAAAAAAAkUAAAAAQAAABQAAAAUAAAAFAAAAAEAAAAAAAAAZAAAAGQAAAAAAAAAZAAAAGQAAAAVAAAAYAAAAAAAAAAAAAAADwAAACADAAAAAAAAAAAAAAEAAACgMgAAVgcAAKr4//8BAAAAf39/AAEAAABkAAAAAAAAABQAAABAHwAAAAAAACYAAAAAAAAAwOD//wAAAAAmAAAAZAAAABYAAABMAAAAAAAAAAAAAAAEAAAAAAAAAAEAAADn5uYKAAAAACgAAAAoAAAAZAAAAGQAAAAAAAAAzMzMAAAAAABQAAAAUAAAAGQAAABkAAAAAAAAAAcAAAA4AAAAAAAAAAAAAAAAAAAA////AAAAAAAAAAAAAAAAAAAAAAAAAAAAAAAAAAAAAABkAAAAZAAAAAAAAAAjAAAABAAAAGQAAAAXAAAAFAAAAAAAAAAAAAAA/38AAP9/AAAAAAAACQAAAAQAAAAAAAAAHgAAAGgAAAAAAAAAAAAAAAAAAAAAAAAAAAAAABAnAAAQJwAAAAAAAAAAAAAAAAAAAAAAAAAAAAAAAAAAAAAAAAAAAAAUAAAAAAAAAMDA/wAAAAAAZAAAADIAAAAAAAAAZAAAAAAAAAB/f38ACgAAACIAAAAYAAAAAAAAAAAAAAAAAAAAAAAAAAAAAAAAAAAAJAAAACQAAAAAAAAABwAAAAAAAAAAAAAAAAAAAAAAAAAAAAAAAAAAAH9/fwAlAAAAWAAAAAAAAAAAAAAAAAAAAAAAAAAAAAAAAAAAAAAAAAAAAAAAAAAAAAAAAAAAAAAAPwAAAAAAAACghgEAAAAAAAAAAAAAAAAADAAAAAEAAAAAAAAAAAAAAAAAAAAfAAAAVAAAAERyxAX///8BAAAAAAAAAAAAAAAAAAAAAAAAAAAAAAAAAAAAAAAAAAAAAAACf39/AOfm5gPMzMwAwMD/AH9/fwAAAAAAAAAAAAAAAAD///8AAAAAACEAAAAYAAAAFAAAAEQYAAB+GAAALikAALQhAAAQAAAAJgAAAAgAAAD//////////zAAAAAUAAAAAAAAAAAA//8AAAEAAAD//wAAAQA="/>
+                <pr:smNativeData xmlns="smNativeData" xmlns:pr="smNativeData" xmlns:p15="http://schemas.microsoft.com/office/powerpoint/2012/main" xmlns:p14="http://schemas.microsoft.com/office/powerpoint/2010/main" xmlns:mc="http://schemas.openxmlformats.org/markup-compatibility/2006" val="SMDATA_18_xzE7ZxMAAAAlAAAAEQAAAC8BAAAAkAAAAEgAAACQAAAASAAAAAAAAAAAAAAAAAAAAAEAAABQAAAAAAAAAAAA4D8AAAAAAADgPwAAAAAAAOA/AAAAAAAA4D8AAAAAAADgPwAAAAAAAOA/AAAAAAAA4D8AAAAAAADgPwAAAAAAAOA/AAAAAAAA4D8CAAAAjAAAAAAAAAAAAAAARHLEDP///wgAAAAAAAAAAAAAAAAAAAAAAAAAAAAAAAAAAAAAZAAAAAEAAABAAAAAAAAAAAAAAAAAAAAAAAAAAAAAAAAAAAAAAAAAAAAAAAAAAAAAAAAAAAAAAAAAAAAAAAAAAAAAAAAAAAAAAAAAAAAAAAAAAAAAAAAAAAAAAAAAAAAAFAAAADwAAAAAAAAAAAAAAAAAAAkUAAAAAQAAABQAAAAUAAAAFAAAAAEAAAAAAAAAZAAAAGQAAAAAAAAAZAAAAGQAAAAVAAAAYAAAAAAAAAAAAAAADwAAACADAAAAAAAAAAAAAAEAAACgMgAAVgcAAKr4//8BAAAAf39/AAEAAABkAAAAAAAAABQAAABAHwAAAAAAACYAAAAAAAAAwOD//wAAAAAmAAAAZAAAABYAAABMAAAAAAAAAAAAAAAEAAAAAAAAAAEAAADn5uYKAAAAACgAAAAoAAAAZAAAAGQAAAAAAAAAzMzMAAAAAABQAAAAUAAAAGQAAABkAAAAAAAAAAcAAAA4AAAAAAAAAAAAAAAAAAAA////AAAAAAAAAAAAAAAAAAAAAAAAAAAAAAAAAAAAAABkAAAAZAAAAAAAAAAjAAAABAAAAGQAAAAXAAAAFAAAAAAAAAAAAAAA/38AAP9/AAAAAAAACQAAAAQAAAAAAAAAHgAAAGgAAAAAAAAAAAAAAAAAAAAAAAAAAAAAABAnAAAQJwAAAAAAAAAAAAAAAAAAAAAAAAAAAAAAAAAAAAAAAAAAAAAUAAAAAAAAAMDA/wAAAAAAZAAAADIAAAAAAAAAZAAAAAAAAAB/f38ACgAAACIAAAAYAAAAAAAAAAAAAAAAAAAAAAAAAAAAAAAAAAAAJAAAACQAAAAAAAAABwAAAAAAAAAAAAAAAAAAAAAAAAAAAAAAAAAAAH9/fwAlAAAAWAAAAAAAAAAAAAAAAAAAAAAAAAAAAAAAAAAAAAAAAAAAAAAAAAAAAAAAAAAAAAAAPwAAAAAAAACghgEAAAAAAAAAAAAAAAAADAAAAAEAAAAAAAAAAAAAAAAAAAAfAAAAVAAAAERyxAX///8BAAAAAAAAAAAAAAAAAAAAAAAAAAAAAAAAAAAAAAAAAAAAAAACf39/AOfm5gPMzMwAwMD/AH9/fwAAAAAAAAAAAAAAAAD///8AAAAAACEAAAAYAAAAFAAAAEQYAAB+GAAALikAALQhAAAQAAAAJgAAAAgAAAD//////////zAAAAAUAAAAAAAAAAAA//8AAAEAAAD//wAAAQA="/>
               </a:ext>
             </a:extLst>
           </p:cNvPicPr>
@@ -5515,7 +5515,7 @@
             <a:spLocks noGrp="1" noChangeArrowheads="1"/>
             <a:extLst>
               <a:ext uri="smNativeData">
-                <pr:smNativeData xmlns:mc="http://schemas.openxmlformats.org/markup-compatibility/2006" xmlns:p14="http://schemas.microsoft.com/office/powerpoint/2010/main" xmlns:p15="http://schemas.microsoft.com/office/powerpoint/2012/main" xmlns:pr="smNativeData" xmlns="smNativeData" val="SMDATA_16_xzE7ZxMAAAAlAAAAZAAAAA0AAAAAkAAAAEgAAACQAAAASAAAAAAAAAABAAAAAAAAAAEAAABQAAAAAAAAAAAA4D8AAAAAAADgPwAAAAAAAOA/AAAAAAAA4D8AAAAAAADgPwAAAAAAAOA/AAAAAAAA4D8AAAAAAADgPwAAAAAAAOA/AAAAAAAA4D8CAAAAjAAAAAAAAAAAAAAARHLEDP///wgAAAAAAAAAAAAAAAAAAAAAAAAAAAAAAAAAAAAAZAAAAAEAAABAAAAAAAAAAAAAAAAAAAAAAAAAAAAAAAAAAAAAAAAAAAAAAAAAAAAAAAAAAAAAAAAAAAAAAAAAAAAAAAAAAAAAAAAAAAAAAAAAAAAAAAAAAAAAAAAAAAAAFAAAADwAAAAAAAAAAAAAAAAAAAkUAAAAAQAAABQAAAAUAAAAFAAAAAEAAAAAAAAAZAAAAGQAAAAAAAAAZAAAAGQAAAAVAAAAYAAAAAAAAAAAAAAADwAAACADAAAAAAAAAAAAAAEAAACgMgAAVgcAAKr4//8BAAAAf39/AAEAAABkAAAAAAAAABQAAABAHwAAAAAAACYAAAAAAAAAwOD//wAAAAAmAAAAZAAAABYAAABMAAAAAAAAAAAAAAAEAAAAAAAAAAEAAADn5uYKAAAAACgAAAAoAAAAZAAAAGQAAAAAAAAAzMzMAAAAAABQAAAAUAAAAGQAAABkAAAAAAAAABcAAAAUAAAAAAAAAAAAAAD/fwAA/38AAAAAAAAJAAAABAAAAAAAAAAeAAAAaAAAAAAAAAAAAAAAAAAAAAAAAAAAAAAAECcAABAnAAAAAAAAAAAAAAAAAAAAAAAAAAAAAAAAAAAAAAAAAAAAABQAAAAAAAAAwMD/AAAAAABkAAAAMgAAAAAAAABkAAAAAAAAAH9/fwAKAAAAIgAAABgAAAAAAAAAAAAAAAAAAAAAAAAAAAAAAAAAAAAkAAAAJAAAAAAAAAAHAAAAAAAAAAAAAAAAAAAAAAAAAAAAAAAAAAAAf39/ACUAAABYAAAAAAAAAAAAAAAAAAAAAAAAAAAAAAAAAAAAAAAAAAAAAAAAAAAAAAAAAAAAAAA/AAAAAAAAAKCGAQAAAAAAAAAAAAAAAAAMAAAAAQAAAAAAAAAAAAAAAAAAAB8AAABUAAAARHLEBf///wEAAAAAAAAAAAAAAAAAAAAAAAAAAAAAAAAAAAAAAAAAAAAAAAJ/f38A5+bmA8zMzADAwP8Af39/AAAAAAAAAAAAAAAAAAAAAAAAAAAAIQAAABgAAAAUAAAAKAUAAD8CAADYRQAAZwoAABAAAAAmAAAACAAAAAAAAAAAAAAAMAAAABQAAAAAAAAAAAD//wAAAQAAAP//AAABAA=="/>
+                <pr:smNativeData xmlns="smNativeData" xmlns:pr="smNativeData" xmlns:p15="http://schemas.microsoft.com/office/powerpoint/2012/main" xmlns:p14="http://schemas.microsoft.com/office/powerpoint/2010/main" xmlns:mc="http://schemas.openxmlformats.org/markup-compatibility/2006" val="SMDATA_16_xzE7ZxMAAAAlAAAAZAAAAA0AAAAAkAAAAEgAAACQAAAASAAAAAAAAAABAAAAAAAAAAEAAABQAAAAAAAAAAAA4D8AAAAAAADgPwAAAAAAAOA/AAAAAAAA4D8AAAAAAADgPwAAAAAAAOA/AAAAAAAA4D8AAAAAAADgPwAAAAAAAOA/AAAAAAAA4D8CAAAAjAAAAAAAAAAAAAAARHLEDP///wgAAAAAAAAAAAAAAAAAAAAAAAAAAAAAAAAAAAAAZAAAAAEAAABAAAAAAAAAAAAAAAAAAAAAAAAAAAAAAAAAAAAAAAAAAAAAAAAAAAAAAAAAAAAAAAAAAAAAAAAAAAAAAAAAAAAAAAAAAAAAAAAAAAAAAAAAAAAAAAAAAAAAFAAAADwAAAAAAAAAAAAAAAAAAAkUAAAAAQAAABQAAAAUAAAAFAAAAAEAAAAAAAAAZAAAAGQAAAAAAAAAZAAAAGQAAAAVAAAAYAAAAAAAAAAAAAAADwAAACADAAAAAAAAAAAAAAEAAACgMgAAVgcAAKr4//8BAAAAf39/AAEAAABkAAAAAAAAABQAAABAHwAAAAAAACYAAAAAAAAAwOD//wAAAAAmAAAAZAAAABYAAABMAAAAAAAAAAAAAAAEAAAAAAAAAAEAAADn5uYKAAAAACgAAAAoAAAAZAAAAGQAAAAAAAAAzMzMAAAAAABQAAAAUAAAAGQAAABkAAAAAAAAABcAAAAUAAAAAAAAAAAAAAD/fwAA/38AAAAAAAAJAAAABAAAAAAAAAAeAAAAaAAAAAAAAAAAAAAAAAAAAAAAAAAAAAAAECcAABAnAAAAAAAAAAAAAAAAAAAAAAAAAAAAAAAAAAAAAAAAAAAAABQAAAAAAAAAwMD/AAAAAABkAAAAMgAAAAAAAABkAAAAAAAAAH9/fwAKAAAAIgAAABgAAAAAAAAAAAAAAAAAAAAAAAAAAAAAAAAAAAAkAAAAJAAAAAAAAAAHAAAAAAAAAAAAAAAAAAAAAAAAAAAAAAAAAAAAf39/ACUAAABYAAAAAAAAAAAAAAAAAAAAAAAAAAAAAAAAAAAAAAAAAAAAAAAAAAAAAAAAAAAAAAA/AAAAAAAAAKCGAQAAAAAAAAAAAAAAAAAMAAAAAQAAAAAAAAAAAAAAAAAAAB8AAABUAAAARHLEBf///wEAAAAAAAAAAAAAAAAAAAAAAAAAAAAAAAAAAAAAAAAAAAAAAAJ/f38A5+bmA8zMzADAwP8Af39/AAAAAAAAAAAAAAAAAAAAAAAAAAAAIQAAABgAAAAUAAAAKAUAAD8CAADYRQAAZwoAABAAAAAmAAAACAAAAAAAAAAAAAAAMAAAABQAAAAAAAAAAAD//wAAAQAAAP//AAABAA=="/>
               </a:ext>
             </a:extLst>
           </p:cNvSpPr>
@@ -5542,7 +5542,7 @@
             <a:spLocks noGrp="1" noChangeArrowheads="1"/>
             <a:extLst>
               <a:ext uri="smNativeData">
-                <pr:smNativeData xmlns:mc="http://schemas.openxmlformats.org/markup-compatibility/2006" xmlns:p14="http://schemas.microsoft.com/office/powerpoint/2010/main" xmlns:p15="http://schemas.microsoft.com/office/powerpoint/2012/main" xmlns:pr="smNativeData" xmlns="smNativeData" val="SMDATA_16_xzE7ZxMAAAAlAAAAZAAAAA0AAAAAkAAAAEgAAACQAAAASAAAAAAAAAAAAAAAAAAAAAEAAABQAAAAAAAAAAAA4D8AAAAAAADgPwAAAAAAAOA/AAAAAAAA4D8AAAAAAADgPwAAAAAAAOA/AAAAAAAA4D8AAAAAAADgPwAAAAAAAOA/AAAAAAAA4D8CAAAAjAAAAAAAAAAAAAAARHLEDP///wgAAAAAAAAAAAAAAAAAAAAAAAAAAAAAAAAAAAAAZAAAAAEAAABAAAAAAAAAAAAAAAAAAAAAAAAAAAAAAAAAAAAAAAAAAAAAAAAAAAAAAAAAAAAAAAAAAAAAAAAAAAAAAAAAAAAAAAAAAAAAAAAAAAAAAAAAAAAAAAAAAAAAFAAAADwAAAAAAAAAAAAAAAAAAAkUAAAAAQAAABQAAAAUAAAAFAAAAAEAAAAAAAAAZAAAAGQAAAAAAAAAZAAAAGQAAAAVAAAAYAAAAAAAAAAAAAAADwAAACADAAAAAAAAAAAAAAEAAACgMgAAVgcAAKr4//8BAAAAf39/AAEAAABkAAAAAAAAABQAAABAHwAAAAAAACYAAAAAAAAAwOD//wAAAAAmAAAAZAAAABYAAABMAAAAAAAAAAAAAAAEAAAAAAAAAAEAAADn5uYKAAAAACgAAAAoAAAAZAAAAGQAAAAAAAAAzMzMAAAAAABQAAAAUAAAAGQAAABkAAAAAAAAABcAAAAUAAAAAAAAAAAAAAD/fwAA/38AAAAAAAAJAAAABAAAAAAAAAAeAAAAaAAAAAAAAAAAAAAAAAAAAAAAAAAAAAAAECcAABAnAAAAAAAAAAAAAAAAAAAAAAAAAAAAAAAAAAAAAAAAAAAAABQAAAAAAAAAwMD/AAAAAABkAAAAMgAAAAAAAABkAAAAAAAAAH9/fwAKAAAAIgAAABgAAAAAAAAAAAAAAAAAAAAAAAAAAAAAAAAAAAAkAAAAJAAAAAAAAAAHAAAAAAAAAAAAAAAAAAAAAAAAAAAAAAAAAAAAf39/ACUAAABYAAAAAAAAAAAAAAAAAAAAAAAAAAAAAAAAAAAAAAAAAAAAAAAAAAAAAAAAAAAAAAA/AAAAAAAAAKCGAQAAAAAAAAAAAAAAAAAMAAAAAQAAAAAAAAAAAAAAAAAAAB8AAABUAAAARHLEBf///wEAAAAAAAAAAAAAAAAAAAAAAAAAAAAAAAAAAAAAAAAAAAAAAAJ/f38A5+bmA8zMzADAwP8Af39/AAAAAAAAAAAAAAAAAAAAAAAAAAAAIQAAABgAAAAUAAAAKAUAADsLAADYRQAAACYAABAAAAAmAAAACAAAAAAAAAAAAAAAMAAAABQAAAAAAAAAAAD//wAAAQAAAP//AAABAA=="/>
+                <pr:smNativeData xmlns="smNativeData" xmlns:pr="smNativeData" xmlns:p15="http://schemas.microsoft.com/office/powerpoint/2012/main" xmlns:p14="http://schemas.microsoft.com/office/powerpoint/2010/main" xmlns:mc="http://schemas.openxmlformats.org/markup-compatibility/2006" val="SMDATA_16_xzE7ZxMAAAAlAAAAZAAAAA0AAAAAkAAAAEgAAACQAAAASAAAAAAAAAAAAAAAAAAAAAEAAABQAAAAAAAAAAAA4D8AAAAAAADgPwAAAAAAAOA/AAAAAAAA4D8AAAAAAADgPwAAAAAAAOA/AAAAAAAA4D8AAAAAAADgPwAAAAAAAOA/AAAAAAAA4D8CAAAAjAAAAAAAAAAAAAAARHLEDP///wgAAAAAAAAAAAAAAAAAAAAAAAAAAAAAAAAAAAAAZAAAAAEAAABAAAAAAAAAAAAAAAAAAAAAAAAAAAAAAAAAAAAAAAAAAAAAAAAAAAAAAAAAAAAAAAAAAAAAAAAAAAAAAAAAAAAAAAAAAAAAAAAAAAAAAAAAAAAAAAAAAAAAFAAAADwAAAAAAAAAAAAAAAAAAAkUAAAAAQAAABQAAAAUAAAAFAAAAAEAAAAAAAAAZAAAAGQAAAAAAAAAZAAAAGQAAAAVAAAAYAAAAAAAAAAAAAAADwAAACADAAAAAAAAAAAAAAEAAACgMgAAVgcAAKr4//8BAAAAf39/AAEAAABkAAAAAAAAABQAAABAHwAAAAAAACYAAAAAAAAAwOD//wAAAAAmAAAAZAAAABYAAABMAAAAAAAAAAAAAAAEAAAAAAAAAAEAAADn5uYKAAAAACgAAAAoAAAAZAAAAGQAAAAAAAAAzMzMAAAAAABQAAAAUAAAAGQAAABkAAAAAAAAABcAAAAUAAAAAAAAAAAAAAD/fwAA/38AAAAAAAAJAAAABAAAAAAAAAAeAAAAaAAAAAAAAAAAAAAAAAAAAAAAAAAAAAAAECcAABAnAAAAAAAAAAAAAAAAAAAAAAAAAAAAAAAAAAAAAAAAAAAAABQAAAAAAAAAwMD/AAAAAABkAAAAMgAAAAAAAABkAAAAAAAAAH9/fwAKAAAAIgAAABgAAAAAAAAAAAAAAAAAAAAAAAAAAAAAAAAAAAAkAAAAJAAAAAAAAAAHAAAAAAAAAAAAAAAAAAAAAAAAAAAAAAAAAAAAf39/ACUAAABYAAAAAAAAAAAAAAAAAAAAAAAAAAAAAAAAAAAAAAAAAAAAAAAAAAAAAAAAAAAAAAA/AAAAAAAAAKCGAQAAAAAAAAAAAAAAAAAMAAAAAQAAAAAAAAAAAAAAAAAAAB8AAABUAAAARHLEBf///wEAAAAAAAAAAAAAAAAAAAAAAAAAAAAAAAAAAAAAAAAAAAAAAAJ/f38A5+bmA8zMzADAwP8Af39/AAAAAAAAAAAAAAAAAAAAAAAAAAAAIQAAABgAAAAUAAAAKAUAADsLAADYRQAAACYAABAAAAAmAAAACAAAAAAAAAAAAAAAMAAAABQAAAAAAAAAAAD//wAAAQAAAP//AAABAA=="/>
               </a:ext>
             </a:extLst>
           </p:cNvSpPr>
@@ -5625,7 +5625,7 @@
             <a:spLocks noGrp="1" noChangeArrowheads="1"/>
             <a:extLst>
               <a:ext uri="smNativeData">
-                <pr:smNativeData xmlns:mc="http://schemas.openxmlformats.org/markup-compatibility/2006" xmlns:p14="http://schemas.microsoft.com/office/powerpoint/2010/main" xmlns:p15="http://schemas.microsoft.com/office/powerpoint/2012/main" xmlns:pr="smNativeData" xmlns="smNativeData" val="SMDATA_16_xzE7ZxMAAAAlAAAAZAAAAA0AAAAAkAAAAEgAAACQAAAASAAAAAAAAAABAAAAAAAAAAEAAABQAAAAAAAAAAAA4D8AAAAAAADgPwAAAAAAAOA/AAAAAAAA4D8AAAAAAADgPwAAAAAAAOA/AAAAAAAA4D8AAAAAAADgPwAAAAAAAOA/AAAAAAAA4D8CAAAAjAAAAAAAAAAAAAAARHLEDP///wgAAAAAAAAAAAAAAAAAAAAAAAAAAAAAAAAAAAAAZAAAAAEAAABAAAAAAAAAAAAAAAAAAAAAAAAAAAAAAAAAAAAAAAAAAAAAAAAAAAAAAAAAAAAAAAAAAAAAAAAAAAAAAAAAAAAAAAAAAAAAAAAAAAAAAAAAAAAAAAAAAAAAFAAAADwAAAAAAAAAAAAAAAAAAAkUAAAAAQAAABQAAAAUAAAAFAAAAAEAAAAAAAAAZAAAAGQAAAAAAAAAZAAAAGQAAAAVAAAAYAAAAAAAAAAAAAAADwAAACADAAAAAAAAAAAAAAEAAACgMgAAVgcAAKr4//8BAAAAf39/AAEAAABkAAAAAAAAABQAAABAHwAAAAAAACYAAAAAAAAAwOD//wAAAAAmAAAAZAAAABYAAABMAAAAAAAAAAAAAAAEAAAAAAAAAAEAAADn5uYKAAAAACgAAAAoAAAAZAAAAGQAAAAAAAAAzMzMAAAAAABQAAAAUAAAAGQAAABkAAAAAAAAABcAAAAUAAAAAAAAAAAAAAD/fwAA/38AAAAAAAAJAAAABAAAAAAAAAAeAAAAaAAAAAAAAAAAAAAAAAAAAAAAAAAAAAAAECcAABAnAAAAAAAAAAAAAAAAAAAAAAAAAAAAAAAAAAAAAAAAAAAAABQAAAAAAAAAwMD/AAAAAABkAAAAMgAAAAAAAABkAAAAAAAAAH9/fwAKAAAAIgAAABgAAAAAAAAAAAAAAAAAAAAAAAAAAAAAAAAAAAAkAAAAJAAAAAAAAAAHAAAAAAAAAAAAAAAAAAAAAAAAAAAAAAAAAAAAf39/ACUAAABYAAAAAAAAAAAAAAAAAAAAAAAAAAAAAAAAAAAAAAAAAAAAAAAAAAAAAAAAAAAAAAA/AAAAAAAAAKCGAQAAAAAAAAAAAAAAAAAMAAAAAQAAAAAAAAAAAAAAAAAAAB8AAABUAAAARHLEBf///wEAAAAAAAAAAAAAAAAAAAAAAAAAAAAAAAAAAAAAAAAAAAAAAAJ/f38A5+bmA8zMzADAwP8Af39/AAAAAAAAAAAAAAAAAAAAAAAAAAAAIQAAABgAAAAUAAAAKAUAAD8CAADYRQAAZwoAABAAAAAmAAAACAAAAAAAAAAAAAAAMAAAABQAAAAAAAAAAAD//wAAAQAAAP//AAABAA=="/>
+                <pr:smNativeData xmlns="smNativeData" xmlns:pr="smNativeData" xmlns:p15="http://schemas.microsoft.com/office/powerpoint/2012/main" xmlns:p14="http://schemas.microsoft.com/office/powerpoint/2010/main" xmlns:mc="http://schemas.openxmlformats.org/markup-compatibility/2006" val="SMDATA_16_xzE7ZxMAAAAlAAAAZAAAAA0AAAAAkAAAAEgAAACQAAAASAAAAAAAAAABAAAAAAAAAAEAAABQAAAAAAAAAAAA4D8AAAAAAADgPwAAAAAAAOA/AAAAAAAA4D8AAAAAAADgPwAAAAAAAOA/AAAAAAAA4D8AAAAAAADgPwAAAAAAAOA/AAAAAAAA4D8CAAAAjAAAAAAAAAAAAAAARHLEDP///wgAAAAAAAAAAAAAAAAAAAAAAAAAAAAAAAAAAAAAZAAAAAEAAABAAAAAAAAAAAAAAAAAAAAAAAAAAAAAAAAAAAAAAAAAAAAAAAAAAAAAAAAAAAAAAAAAAAAAAAAAAAAAAAAAAAAAAAAAAAAAAAAAAAAAAAAAAAAAAAAAAAAAFAAAADwAAAAAAAAAAAAAAAAAAAkUAAAAAQAAABQAAAAUAAAAFAAAAAEAAAAAAAAAZAAAAGQAAAAAAAAAZAAAAGQAAAAVAAAAYAAAAAAAAAAAAAAADwAAACADAAAAAAAAAAAAAAEAAACgMgAAVgcAAKr4//8BAAAAf39/AAEAAABkAAAAAAAAABQAAABAHwAAAAAAACYAAAAAAAAAwOD//wAAAAAmAAAAZAAAABYAAABMAAAAAAAAAAAAAAAEAAAAAAAAAAEAAADn5uYKAAAAACgAAAAoAAAAZAAAAGQAAAAAAAAAzMzMAAAAAABQAAAAUAAAAGQAAABkAAAAAAAAABcAAAAUAAAAAAAAAAAAAAD/fwAA/38AAAAAAAAJAAAABAAAAAAAAAAeAAAAaAAAAAAAAAAAAAAAAAAAAAAAAAAAAAAAECcAABAnAAAAAAAAAAAAAAAAAAAAAAAAAAAAAAAAAAAAAAAAAAAAABQAAAAAAAAAwMD/AAAAAABkAAAAMgAAAAAAAABkAAAAAAAAAH9/fwAKAAAAIgAAABgAAAAAAAAAAAAAAAAAAAAAAAAAAAAAAAAAAAAkAAAAJAAAAAAAAAAHAAAAAAAAAAAAAAAAAAAAAAAAAAAAAAAAAAAAf39/ACUAAABYAAAAAAAAAAAAAAAAAAAAAAAAAAAAAAAAAAAAAAAAAAAAAAAAAAAAAAAAAAAAAAA/AAAAAAAAAKCGAQAAAAAAAAAAAAAAAAAMAAAAAQAAAAAAAAAAAAAAAAAAAB8AAABUAAAARHLEBf///wEAAAAAAAAAAAAAAAAAAAAAAAAAAAAAAAAAAAAAAAAAAAAAAAJ/f38A5+bmA8zMzADAwP8Af39/AAAAAAAAAAAAAAAAAAAAAAAAAAAAIQAAABgAAAAUAAAAKAUAAD8CAADYRQAAZwoAABAAAAAmAAAACAAAAAAAAAAAAAAAMAAAABQAAAAAAAAAAAD//wAAAQAAAP//AAABAA=="/>
               </a:ext>
             </a:extLst>
           </p:cNvSpPr>
@@ -5652,7 +5652,7 @@
             <a:spLocks noGrp="1" noChangeArrowheads="1"/>
             <a:extLst>
               <a:ext uri="smNativeData">
-                <pr:smNativeData xmlns:mc="http://schemas.openxmlformats.org/markup-compatibility/2006" xmlns:p14="http://schemas.microsoft.com/office/powerpoint/2010/main" xmlns:p15="http://schemas.microsoft.com/office/powerpoint/2012/main" xmlns:pr="smNativeData" xmlns="smNativeData" val="SMDATA_16_xzE7ZxMAAAAlAAAAZAAAAA0AAAAAkAAAAEgAAACQAAAASAAAAAAAAAAAAAAAAAAAAAEAAABQAAAAAAAAAAAA4D8AAAAAAADgPwAAAAAAAOA/AAAAAAAA4D8AAAAAAADgPwAAAAAAAOA/AAAAAAAA4D8AAAAAAADgPwAAAAAAAOA/AAAAAAAA4D8CAAAAjAAAAAAAAAAAAAAARHLEDP///wgAAAAAAAAAAAAAAAAAAAAAAAAAAAAAAAAAAAAAZAAAAAEAAABAAAAAAAAAAAAAAAAAAAAAAAAAAAAAAAAAAAAAAAAAAAAAAAAAAAAAAAAAAAAAAAAAAAAAAAAAAAAAAAAAAAAAAAAAAAAAAAAAAAAAAAAAAAAAAAAAAAAAFAAAADwAAAAAAAAAAAAAAAAAAAkUAAAAAQAAABQAAAAUAAAAFAAAAAEAAAAAAAAAZAAAAGQAAAAAAAAAZAAAAGQAAAAVAAAAYAAAAAAAAAAAAAAADwAAACADAAAAAAAAAAAAAAEAAACgMgAAVgcAAKr4//8BAAAAf39/AAEAAABkAAAAAAAAABQAAABAHwAAAAAAACYAAAAAAAAAwOD//wAAAAAmAAAAZAAAABYAAABMAAAAAAAAAAAAAAAEAAAAAAAAAAEAAADn5uYKAAAAACgAAAAoAAAAZAAAAGQAAAAAAAAAzMzMAAAAAABQAAAAUAAAAGQAAABkAAAAAAAAABcAAAAUAAAAAAAAAAAAAAD/fwAA/38AAAAAAAAJAAAABAAAAAAAAAAeAAAAaAAAAAAAAAAAAAAAAAAAAAAAAAAAAAAAECcAABAnAAAAAAAAAAAAAAAAAAAAAAAAAAAAAAAAAAAAAAAAAAAAABQAAAAAAAAAwMD/AAAAAABkAAAAMgAAAAAAAABkAAAAAAAAAH9/fwAKAAAAIgAAABgAAAAAAAAAAAAAAAAAAAAAAAAAAAAAAAAAAAAkAAAAJAAAAAAAAAAHAAAAAAAAAAAAAAAAAAAAAAAAAAAAAAAAAAAAf39/ACUAAABYAAAAAAAAAAAAAAAAAAAAAAAAAAAAAAAAAAAAAAAAAAAAAAAAAAAAAAAAAAAAAAA/AAAAAAAAAKCGAQAAAAAAAAAAAAAAAAAMAAAAAQAAAAAAAAAAAAAAAAAAAB8AAABUAAAARHLEBf///wEAAAAAAAAAAAAAAAAAAAAAAAAAAAAAAAAAAAAAAAAAAAAAAAJ/f38A5+bmA8zMzADAwP8Af39/AAAAAAAAAAAAAAAAAAAAAAAAAAAAIQAAABgAAAAUAAAAKAUAADsLAADYRQAAACYAABAAAAAmAAAACAAAAAAAAAAAAAAAMAAAABQAAAAAAAAAAAD//wAAAQAAAP//AAABAA=="/>
+                <pr:smNativeData xmlns="smNativeData" xmlns:pr="smNativeData" xmlns:p15="http://schemas.microsoft.com/office/powerpoint/2012/main" xmlns:p14="http://schemas.microsoft.com/office/powerpoint/2010/main" xmlns:mc="http://schemas.openxmlformats.org/markup-compatibility/2006" val="SMDATA_16_xzE7ZxMAAAAlAAAAZAAAAA0AAAAAkAAAAEgAAACQAAAASAAAAAAAAAAAAAAAAAAAAAEAAABQAAAAAAAAAAAA4D8AAAAAAADgPwAAAAAAAOA/AAAAAAAA4D8AAAAAAADgPwAAAAAAAOA/AAAAAAAA4D8AAAAAAADgPwAAAAAAAOA/AAAAAAAA4D8CAAAAjAAAAAAAAAAAAAAARHLEDP///wgAAAAAAAAAAAAAAAAAAAAAAAAAAAAAAAAAAAAAZAAAAAEAAABAAAAAAAAAAAAAAAAAAAAAAAAAAAAAAAAAAAAAAAAAAAAAAAAAAAAAAAAAAAAAAAAAAAAAAAAAAAAAAAAAAAAAAAAAAAAAAAAAAAAAAAAAAAAAAAAAAAAAFAAAADwAAAAAAAAAAAAAAAAAAAkUAAAAAQAAABQAAAAUAAAAFAAAAAEAAAAAAAAAZAAAAGQAAAAAAAAAZAAAAGQAAAAVAAAAYAAAAAAAAAAAAAAADwAAACADAAAAAAAAAAAAAAEAAACgMgAAVgcAAKr4//8BAAAAf39/AAEAAABkAAAAAAAAABQAAABAHwAAAAAAACYAAAAAAAAAwOD//wAAAAAmAAAAZAAAABYAAABMAAAAAAAAAAAAAAAEAAAAAAAAAAEAAADn5uYKAAAAACgAAAAoAAAAZAAAAGQAAAAAAAAAzMzMAAAAAABQAAAAUAAAAGQAAABkAAAAAAAAABcAAAAUAAAAAAAAAAAAAAD/fwAA/38AAAAAAAAJAAAABAAAAAAAAAAeAAAAaAAAAAAAAAAAAAAAAAAAAAAAAAAAAAAAECcAABAnAAAAAAAAAAAAAAAAAAAAAAAAAAAAAAAAAAAAAAAAAAAAABQAAAAAAAAAwMD/AAAAAABkAAAAMgAAAAAAAABkAAAAAAAAAH9/fwAKAAAAIgAAABgAAAAAAAAAAAAAAAAAAAAAAAAAAAAAAAAAAAAkAAAAJAAAAAAAAAAHAAAAAAAAAAAAAAAAAAAAAAAAAAAAAAAAAAAAf39/ACUAAABYAAAAAAAAAAAAAAAAAAAAAAAAAAAAAAAAAAAAAAAAAAAAAAAAAAAAAAAAAAAAAAA/AAAAAAAAAKCGAQAAAAAAAAAAAAAAAAAMAAAAAQAAAAAAAAAAAAAAAAAAAB8AAABUAAAARHLEBf///wEAAAAAAAAAAAAAAAAAAAAAAAAAAAAAAAAAAAAAAAAAAAAAAAJ/f38A5+bmA8zMzADAwP8Af39/AAAAAAAAAAAAAAAAAAAAAAAAAAAAIQAAABgAAAAUAAAAKAUAADsLAADYRQAAACYAABAAAAAmAAAACAAAAAAAAAAAAAAAMAAAABQAAAAAAAAAAAD//wAAAQAAAP//AAABAA=="/>
               </a:ext>
             </a:extLst>
           </p:cNvSpPr>
@@ -5679,7 +5679,7 @@
             <a:picLocks noChangeAspect="1"/>
             <a:extLst>
               <a:ext uri="smNativeData">
-                <pr:smNativeData xmlns:mc="http://schemas.openxmlformats.org/markup-compatibility/2006" xmlns:p14="http://schemas.microsoft.com/office/powerpoint/2010/main" xmlns:p15="http://schemas.microsoft.com/office/powerpoint/2012/main" xmlns:pr="smNativeData" xmlns="smNativeData" val="SMDATA_18_xzE7ZxMAAAAlAAAAEQAAAC8BAAAAkAAAAEgAAACQAAAASAAAAAAAAAAAAAAAAAAAAAEAAABQAAAAAAAAAAAA4D8AAAAAAADgPwAAAAAAAOA/AAAAAAAA4D8AAAAAAADgPwAAAAAAAOA/AAAAAAAA4D8AAAAAAADgPwAAAAAAAOA/AAAAAAAA4D8CAAAAjAAAAAAAAAAAAAAARHLEDP///wgAAAAAAAAAAAAAAAAAAAAAAAAAAAAAAAAAAAAAZAAAAAEAAABAAAAAAAAAAAAAAAAAAAAAAAAAAAAAAAAAAAAAAAAAAAAAAAAAAAAAAAAAAAAAAAAAAAAAAAAAAAAAAAAAAAAAAAAAAAAAAAAAAAAAAAAAAAAAAAAAAAAAFAAAADwAAAAAAAAAAAAAAAAAAAkUAAAAAQAAABQAAAAUAAAAFAAAAAEAAAAAAAAAZAAAAGQAAAAAAAAAZAAAAGQAAAAVAAAAYAAAAAAAAAAAAAAADwAAACADAAAAAAAAAAAAAAEAAACgMgAAVgcAAKr4//8BAAAAf39/AAEAAABkAAAAAAAAABQAAABAHwAAAAAAACYAAAAAAAAAwOD//wAAAAAmAAAAZAAAABYAAABMAAAAAAAAAAAAAAAEAAAAAAAAAAEAAADn5uYKAAAAACgAAAAoAAAAZAAAAGQAAAAAAAAAzMzMAAAAAABQAAAAUAAAAGQAAABkAAAAAAAAAAcAAAA4AAAAAAAAAAAAAAAAAAAA////AAAAAAAAAAAAAAAAAAAAAAAAAAAAAAAAAAAAAABkAAAAZAAAAAAAAAAjAAAABAAAAGQAAAAXAAAAFAAAAAAAAAAAAAAA/38AAP9/AAAAAAAACQAAAAQAAAAAAAAAHgAAAGgAAAAAAAAAAAAAAAAAAAAAAAAAAAAAABAnAAAQJwAAAAAAAAAAAAAAAAAAAAAAAAAAAAAAAAAAAAAAAAAAAAAUAAAAAAAAAMDA/wAAAAAAZAAAADIAAAAAAAAAZAAAAAAAAAB/f38ACgAAACIAAAAYAAAAAAAAAAAAAAAAAAAAAAAAAAAAAAAAAAAAJAAAACQAAAAAAAAABwAAAAAAAAAAAAAAAAAAAAAAAAAAAAAAAAAAAH9/fwAlAAAAWAAAAAAAAAAAAAAAAAAAAAAAAAAAAAAAAAAAAAAAAAAAAAAAAAAAAAAAAAAAAAAAPwAAAAAAAACghgEAAAAAAAAAAAAAAAAADAAAAAEAAAAAAAAAAAAAAAAAAAAfAAAAVAAAAERyxAX///8BAAAAAAAAAAAAAAAAAAAAAAAAAAAAAAAAAAAAAAAAAAAAAAACf39/AOfm5gPMzMwAwMD/AH9/fwAAAAAAAAAAAAAAAAD///8AAAAAACEAAAAYAAAAFAAAAP4AAAD9AAAARzMAAL8WAAAQAAAAJgAAAAgAAAD//////////zAAAAAUAAAAAAAAAAAA//8AAAEAAAD//wAAAQA="/>
+                <pr:smNativeData xmlns="smNativeData" xmlns:pr="smNativeData" xmlns:p15="http://schemas.microsoft.com/office/powerpoint/2012/main" xmlns:p14="http://schemas.microsoft.com/office/powerpoint/2010/main" xmlns:mc="http://schemas.openxmlformats.org/markup-compatibility/2006" val="SMDATA_18_xzE7ZxMAAAAlAAAAEQAAAC8BAAAAkAAAAEgAAACQAAAASAAAAAAAAAAAAAAAAAAAAAEAAABQAAAAAAAAAAAA4D8AAAAAAADgPwAAAAAAAOA/AAAAAAAA4D8AAAAAAADgPwAAAAAAAOA/AAAAAAAA4D8AAAAAAADgPwAAAAAAAOA/AAAAAAAA4D8CAAAAjAAAAAAAAAAAAAAARHLEDP///wgAAAAAAAAAAAAAAAAAAAAAAAAAAAAAAAAAAAAAZAAAAAEAAABAAAAAAAAAAAAAAAAAAAAAAAAAAAAAAAAAAAAAAAAAAAAAAAAAAAAAAAAAAAAAAAAAAAAAAAAAAAAAAAAAAAAAAAAAAAAAAAAAAAAAAAAAAAAAAAAAAAAAFAAAADwAAAAAAAAAAAAAAAAAAAkUAAAAAQAAABQAAAAUAAAAFAAAAAEAAAAAAAAAZAAAAGQAAAAAAAAAZAAAAGQAAAAVAAAAYAAAAAAAAAAAAAAADwAAACADAAAAAAAAAAAAAAEAAACgMgAAVgcAAKr4//8BAAAAf39/AAEAAABkAAAAAAAAABQAAABAHwAAAAAAACYAAAAAAAAAwOD//wAAAAAmAAAAZAAAABYAAABMAAAAAAAAAAAAAAAEAAAAAAAAAAEAAADn5uYKAAAAACgAAAAoAAAAZAAAAGQAAAAAAAAAzMzMAAAAAABQAAAAUAAAAGQAAABkAAAAAAAAAAcAAAA4AAAAAAAAAAAAAAAAAAAA////AAAAAAAAAAAAAAAAAAAAAAAAAAAAAAAAAAAAAABkAAAAZAAAAAAAAAAjAAAABAAAAGQAAAAXAAAAFAAAAAAAAAAAAAAA/38AAP9/AAAAAAAACQAAAAQAAAAAAAAAHgAAAGgAAAAAAAAAAAAAAAAAAAAAAAAAAAAAABAnAAAQJwAAAAAAAAAAAAAAAAAAAAAAAAAAAAAAAAAAAAAAAAAAAAAUAAAAAAAAAMDA/wAAAAAAZAAAADIAAAAAAAAAZAAAAAAAAAB/f38ACgAAACIAAAAYAAAAAAAAAAAAAAAAAAAAAAAAAAAAAAAAAAAAJAAAACQAAAAAAAAABwAAAAAAAAAAAAAAAAAAAAAAAAAAAAAAAAAAAH9/fwAlAAAAWAAAAAAAAAAAAAAAAAAAAAAAAAAAAAAAAAAAAAAAAAAAAAAAAAAAAAAAAAAAAAAAPwAAAAAAAACghgEAAAAAAAAAAAAAAAAADAAAAAEAAAAAAAAAAAAAAAAAAAAfAAAAVAAAAERyxAX///8BAAAAAAAAAAAAAAAAAAAAAAAAAAAAAAAAAAAAAAAAAAAAAAACf39/AOfm5gPMzMwAwMD/AH9/fwAAAAAAAAAAAAAAAAD///8AAAAAACEAAAAYAAAAFAAAAP4AAAD9AAAARzMAAL8WAAAQAAAAJgAAAAgAAAD//////////zAAAAAUAAAAAAAAAAAA//8AAAEAAAD//wAAAQA="/>
               </a:ext>
             </a:extLst>
           </p:cNvPicPr>
@@ -5713,7 +5713,7 @@
             <a:picLocks noChangeAspect="1"/>
             <a:extLst>
               <a:ext uri="smNativeData">
-                <pr:smNativeData xmlns:mc="http://schemas.openxmlformats.org/markup-compatibility/2006" xmlns:p14="http://schemas.microsoft.com/office/powerpoint/2010/main" xmlns:p15="http://schemas.microsoft.com/office/powerpoint/2012/main" xmlns:pr="smNativeData" xmlns="smNativeData" val="SMDATA_18_xzE7ZxMAAAAlAAAAEQAAAC8BAAAAkAAAAEgAAACQAAAASAAAAAAAAAAAAAAAAAAAAAEAAABQAAAAAAAAAAAA4D8AAAAAAADgPwAAAAAAAOA/AAAAAAAA4D8AAAAAAADgPwAAAAAAAOA/AAAAAAAA4D8AAAAAAADgPwAAAAAAAOA/AAAAAAAA4D8CAAAAjAAAAAAAAAAAAAAARHLEDP///wgAAAAAAAAAAAAAAAAAAAAAAAAAAAAAAAAAAAAAZAAAAAEAAABAAAAAAAAAAAAAAAAAAAAAAAAAAAAAAAAAAAAAAAAAAAAAAAAAAAAAAAAAAAAAAAAAAAAAAAAAAAAAAAAAAAAAAAAAAAAAAAAAAAAAAAAAAAAAAAAAAAAAFAAAADwAAAAAAAAAAAAAAAAAAAkUAAAAAQAAABQAAAAUAAAAFAAAAAEAAAAAAAAAZAAAAGQAAAAAAAAAZAAAAGQAAAAVAAAAYAAAAAAAAAAAAAAADwAAACADAAAAAAAAAAAAAAEAAACgMgAAVgcAAKr4//8BAAAAf39/AAEAAABkAAAAAAAAABQAAABAHwAAAAAAACYAAAAAAAAAwOD//wAAAAAmAAAAZAAAABYAAABMAAAAAAAAAAAAAAAEAAAAAAAAAAEAAADn5uYKAAAAACgAAAAoAAAAZAAAAGQAAAAAAAAAzMzMAAAAAABQAAAAUAAAAGQAAABkAAAAAAAAAAcAAAA4AAAAAAAAAAAAAAAAAAAA////AAAAAAAAAAAAAAAAAAAAAAAAAAAAAAAAAAAAAABkAAAAZAAAAAAAAAAjAAAABAAAAGQAAAAXAAAAFAAAAAAAAAAAAAAA/38AAP9/AAAAAAAACQAAAAQAAAAAAAAAHgAAAGgAAAAAAAAAAAAAAAAAAAAAAAAAAAAAABAnAAAQJwAAAAAAAAAAAAAAAAAAAAAAAAAAAAAAAAAAAAAAAAAAAAAUAAAAAAAAAMDA/wAAAAAAZAAAADIAAAAAAAAAZAAAAAAAAAB/f38ACgAAACIAAAAYAAAAAAAAAAAAAAAAAAAAAAAAAAAAAAAAAAAAJAAAACQAAAAAAAAABwAAAAAAAAAAAAAAAAAAAAAAAAAAAAAAAAAAAH9/fwAlAAAAWAAAAAAAAAAAAAAAAAAAAAAAAAAAAAAAAAAAAAAAAAAAAAAAAAAAAAAAAAAAAAAAPwAAAAAAAACghgEAAAAAAAAAAAAAAAAADAAAAAEAAAAAAAAAAAAAAAAAAAAfAAAAVAAAAERyxAX///8BAAAAAAAAAAAAAAAAAAAAAAAAAAAAAAAAAAAAAAAAAAAAAAACf39/AOfm5gPMzMwAwMD/AH9/fwAAAAAAAAAAAAAAAAD///8AAAAAACEAAAAYAAAAFAAAAIYBAADbGAAAyBoAAOEmAAAQAAAAJgAAAAgAAAD//////////zAAAAAUAAAAAAAAAAAA//8AAAEAAAD//wAAAQA="/>
+                <pr:smNativeData xmlns="smNativeData" xmlns:pr="smNativeData" xmlns:p15="http://schemas.microsoft.com/office/powerpoint/2012/main" xmlns:p14="http://schemas.microsoft.com/office/powerpoint/2010/main" xmlns:mc="http://schemas.openxmlformats.org/markup-compatibility/2006" val="SMDATA_18_xzE7ZxMAAAAlAAAAEQAAAC8BAAAAkAAAAEgAAACQAAAASAAAAAAAAAAAAAAAAAAAAAEAAABQAAAAAAAAAAAA4D8AAAAAAADgPwAAAAAAAOA/AAAAAAAA4D8AAAAAAADgPwAAAAAAAOA/AAAAAAAA4D8AAAAAAADgPwAAAAAAAOA/AAAAAAAA4D8CAAAAjAAAAAAAAAAAAAAARHLEDP///wgAAAAAAAAAAAAAAAAAAAAAAAAAAAAAAAAAAAAAZAAAAAEAAABAAAAAAAAAAAAAAAAAAAAAAAAAAAAAAAAAAAAAAAAAAAAAAAAAAAAAAAAAAAAAAAAAAAAAAAAAAAAAAAAAAAAAAAAAAAAAAAAAAAAAAAAAAAAAAAAAAAAAFAAAADwAAAAAAAAAAAAAAAAAAAkUAAAAAQAAABQAAAAUAAAAFAAAAAEAAAAAAAAAZAAAAGQAAAAAAAAAZAAAAGQAAAAVAAAAYAAAAAAAAAAAAAAADwAAACADAAAAAAAAAAAAAAEAAACgMgAAVgcAAKr4//8BAAAAf39/AAEAAABkAAAAAAAAABQAAABAHwAAAAAAACYAAAAAAAAAwOD//wAAAAAmAAAAZAAAABYAAABMAAAAAAAAAAAAAAAEAAAAAAAAAAEAAADn5uYKAAAAACgAAAAoAAAAZAAAAGQAAAAAAAAAzMzMAAAAAABQAAAAUAAAAGQAAABkAAAAAAAAAAcAAAA4AAAAAAAAAAAAAAAAAAAA////AAAAAAAAAAAAAAAAAAAAAAAAAAAAAAAAAAAAAABkAAAAZAAAAAAAAAAjAAAABAAAAGQAAAAXAAAAFAAAAAAAAAAAAAAA/38AAP9/AAAAAAAACQAAAAQAAAAAAAAAHgAAAGgAAAAAAAAAAAAAAAAAAAAAAAAAAAAAABAnAAAQJwAAAAAAAAAAAAAAAAAAAAAAAAAAAAAAAAAAAAAAAAAAAAAUAAAAAAAAAMDA/wAAAAAAZAAAADIAAAAAAAAAZAAAAAAAAAB/f38ACgAAACIAAAAYAAAAAAAAAAAAAAAAAAAAAAAAAAAAAAAAAAAAJAAAACQAAAAAAAAABwAAAAAAAAAAAAAAAAAAAAAAAAAAAAAAAAAAAH9/fwAlAAAAWAAAAAAAAAAAAAAAAAAAAAAAAAAAAAAAAAAAAAAAAAAAAAAAAAAAAAAAAAAAAAAAPwAAAAAAAACghgEAAAAAAAAAAAAAAAAADAAAAAEAAAAAAAAAAAAAAAAAAAAfAAAAVAAAAERyxAX///8BAAAAAAAAAAAAAAAAAAAAAAAAAAAAAAAAAAAAAAAAAAAAAAACf39/AOfm5gPMzMwAwMD/AH9/fwAAAAAAAAAAAAAAAAD///8AAAAAACEAAAAYAAAAFAAAAIYBAADbGAAAyBoAAOEmAAAQAAAAJgAAAAgAAAD//////////zAAAAAUAAAAAAAAAAAA//8AAAEAAAD//wAAAQA="/>
               </a:ext>
             </a:extLst>
           </p:cNvPicPr>
@@ -5747,7 +5747,7 @@
             <a:picLocks noChangeAspect="1"/>
             <a:extLst>
               <a:ext uri="smNativeData">
-                <pr:smNativeData xmlns:mc="http://schemas.openxmlformats.org/markup-compatibility/2006" xmlns:p14="http://schemas.microsoft.com/office/powerpoint/2010/main" xmlns:p15="http://schemas.microsoft.com/office/powerpoint/2012/main" xmlns:pr="smNativeData" xmlns="smNativeData" val="SMDATA_18_xzE7ZxMAAAAlAAAAEQAAAC8BAAAAkAAAAEgAAACQAAAASAAAAAAAAAAAAAAAAAAAAAEAAABQAAAAAAAAAAAA4D8AAAAAAADgPwAAAAAAAOA/AAAAAAAA4D8AAAAAAADgPwAAAAAAAOA/AAAAAAAA4D8AAAAAAADgPwAAAAAAAOA/AAAAAAAA4D8CAAAAjAAAAAAAAAAAAAAARHLEDP///wgAAAAAAAAAAAAAAAAAAAAAAAAAAAAAAAAAAAAAZAAAAAEAAABAAAAAAAAAAAAAAAAAAAAAAAAAAAAAAAAAAAAAAAAAAAAAAAAAAAAAAAAAAAAAAAAAAAAAAAAAAAAAAAAAAAAAAAAAAAAAAAAAAAAAAAAAAAAAAAAAAAAAFAAAADwAAAAAAAAAAAAAAAAAAAkUAAAAAQAAABQAAAAUAAAAFAAAAAEAAAAAAAAAZAAAAGQAAAAAAAAAZAAAAGQAAAAVAAAAYAAAAAAAAAAAAAAADwAAACADAAAAAAAAAAAAAAEAAACgMgAAVgcAAKr4//8BAAAAf39/AAEAAABkAAAAAAAAABQAAABAHwAAAAAAACYAAAAAAAAAwOD//wAAAAAmAAAAZAAAABYAAABMAAAAAAAAAAAAAAAEAAAAAAAAAAEAAADn5uYKAAAAACgAAAAoAAAAZAAAAGQAAAAAAAAAzMzMAAAAAABQAAAAUAAAAGQAAABkAAAAAAAAAAcAAAA4AAAAAAAAAAAAAAAAAAAA////AAAAAAAAAAAAAAAAAAAAAAAAAAAAAAAAAAAAAABkAAAAZAAAAAAAAAAjAAAABAAAAGQAAAAXAAAAFAAAAAAAAAAAAAAA/38AAP9/AAAAAAAACQAAAAQAAABkAAAAHgAAAGgAAAAAAAAAAAAAAAAAAAAAAAAAAAAAABAnAAAQJwAAAAAAAAAAAAAAAAAAAAAAAAAAAAAAAAAAAAAAAAAAAAAUAAAAAAAAAMDA/wAAAAAAZAAAADIAAAAAAAAAZAAAAAAAAAB/f38ACgAAACIAAAAYAAAAAAAAAAAAAAAAAAAAAAAAAAAAAAAAAAAAJAAAACQAAAAAAAAABwAAAAAAAAAAAAAAAAAAAAAAAAAAAAAAAAAAAH9/fwAlAAAAWAAAAAAAAAAAAAAAAAAAAAAAAAAAAAAAAAAAAAAAAAAAAAAAAAAAAAAAAAAAAAAAPwAAAAAAAACghgEAAAAAAAAAAAAAAAAADAAAAAEAAAAAAAAAAAAAAAAAAAAfAAAAVAAAAERyxAX///8BAAAAAAAAAAAAAAAAAAAAAAAAAAAAAAAAAAAAAAAAAAAAAAACf39/AOfm5gPMzMwAwMD/AH9/fwAAAAAAAAAAAAAAAAD///8AAAAAACEAAAAYAAAAFAAAAMMbAADsGwAAjjQAAG0mAAAQAAAAJgAAAAgAAAD//////////zAAAAAUAAAAAAAAAAAA//8AAAEAAAD//wAAAQA="/>
+                <pr:smNativeData xmlns="smNativeData" xmlns:pr="smNativeData" xmlns:p15="http://schemas.microsoft.com/office/powerpoint/2012/main" xmlns:p14="http://schemas.microsoft.com/office/powerpoint/2010/main" xmlns:mc="http://schemas.openxmlformats.org/markup-compatibility/2006" val="SMDATA_18_xzE7ZxMAAAAlAAAAEQAAAC8BAAAAkAAAAEgAAACQAAAASAAAAAAAAAAAAAAAAAAAAAEAAABQAAAAAAAAAAAA4D8AAAAAAADgPwAAAAAAAOA/AAAAAAAA4D8AAAAAAADgPwAAAAAAAOA/AAAAAAAA4D8AAAAAAADgPwAAAAAAAOA/AAAAAAAA4D8CAAAAjAAAAAAAAAAAAAAARHLEDP///wgAAAAAAAAAAAAAAAAAAAAAAAAAAAAAAAAAAAAAZAAAAAEAAABAAAAAAAAAAAAAAAAAAAAAAAAAAAAAAAAAAAAAAAAAAAAAAAAAAAAAAAAAAAAAAAAAAAAAAAAAAAAAAAAAAAAAAAAAAAAAAAAAAAAAAAAAAAAAAAAAAAAAFAAAADwAAAAAAAAAAAAAAAAAAAkUAAAAAQAAABQAAAAUAAAAFAAAAAEAAAAAAAAAZAAAAGQAAAAAAAAAZAAAAGQAAAAVAAAAYAAAAAAAAAAAAAAADwAAACADAAAAAAAAAAAAAAEAAACgMgAAVgcAAKr4//8BAAAAf39/AAEAAABkAAAAAAAAABQAAABAHwAAAAAAACYAAAAAAAAAwOD//wAAAAAmAAAAZAAAABYAAABMAAAAAAAAAAAAAAAEAAAAAAAAAAEAAADn5uYKAAAAACgAAAAoAAAAZAAAAGQAAAAAAAAAzMzMAAAAAABQAAAAUAAAAGQAAABkAAAAAAAAAAcAAAA4AAAAAAAAAAAAAAAAAAAA////AAAAAAAAAAAAAAAAAAAAAAAAAAAAAAAAAAAAAABkAAAAZAAAAAAAAAAjAAAABAAAAGQAAAAXAAAAFAAAAAAAAAAAAAAA/38AAP9/AAAAAAAACQAAAAQAAABkAAAAHgAAAGgAAAAAAAAAAAAAAAAAAAAAAAAAAAAAABAnAAAQJwAAAAAAAAAAAAAAAAAAAAAAAAAAAAAAAAAAAAAAAAAAAAAUAAAAAAAAAMDA/wAAAAAAZAAAADIAAAAAAAAAZAAAAAAAAAB/f38ACgAAACIAAAAYAAAAAAAAAAAAAAAAAAAAAAAAAAAAAAAAAAAAJAAAACQAAAAAAAAABwAAAAAAAAAAAAAAAAAAAAAAAAAAAAAAAAAAAH9/fwAlAAAAWAAAAAAAAAAAAAAAAAAAAAAAAAAAAAAAAAAAAAAAAAAAAAAAAAAAAAAAAAAAAAAAPwAAAAAAAACghgEAAAAAAAAAAAAAAAAADAAAAAEAAAAAAAAAAAAAAAAAAAAfAAAAVAAAAERyxAX///8BAAAAAAAAAAAAAAAAAAAAAAAAAAAAAAAAAAAAAAAAAAAAAAACf39/AOfm5gPMzMwAwMD/AH9/fwAAAAAAAAAAAAAAAAD///8AAAAAACEAAAAYAAAAFAAAAMMbAADsGwAAjjQAAG0mAAAQAAAAJgAAAAgAAAD//////////zAAAAAUAAAAAAAAAAAA//8AAAEAAAD//wAAAQA="/>
               </a:ext>
             </a:extLst>
           </p:cNvPicPr>
@@ -5813,7 +5813,7 @@
             <a:spLocks noGrp="1" noChangeArrowheads="1"/>
             <a:extLst>
               <a:ext uri="smNativeData">
-                <pr:smNativeData xmlns:mc="http://schemas.openxmlformats.org/markup-compatibility/2006" xmlns:p14="http://schemas.microsoft.com/office/powerpoint/2010/main" xmlns:p15="http://schemas.microsoft.com/office/powerpoint/2012/main" xmlns:pr="smNativeData" xmlns="smNativeData" val="SMDATA_16_xzE7ZxMAAAAlAAAAZAAAAA0AAAAAkAAAAEgAAACQAAAASAAAAAAAAAABAAAAAAAAAAEAAABQAAAAAAAAAAAA4D8AAAAAAADgPwAAAAAAAOA/AAAAAAAA4D8AAAAAAADgPwAAAAAAAOA/AAAAAAAA4D8AAAAAAADgPwAAAAAAAOA/AAAAAAAA4D8CAAAAjAAAAAAAAAAAAAAARHLEDP///wgAAAAAAAAAAAAAAAAAAAAAAAAAAAAAAAAAAAAAZAAAAAEAAABAAAAAAAAAAAAAAAAAAAAAAAAAAAAAAAAAAAAAAAAAAAAAAAAAAAAAAAAAAAAAAAAAAAAAAAAAAAAAAAAAAAAAAAAAAAAAAAAAAAAAAAAAAAAAAAAAAAAAFAAAADwAAAAAAAAAAAAAAAAAAAkUAAAAAQAAABQAAAAUAAAAFAAAAAEAAAAAAAAAZAAAAGQAAAAAAAAAZAAAAGQAAAAVAAAAYAAAAAAAAAAAAAAADwAAACADAAAAAAAAAAAAAAEAAACgMgAAVgcAAKr4//8BAAAAf39/AAEAAABkAAAAAAAAABQAAABAHwAAAAAAACYAAAAAAAAAwOD//wAAAAAmAAAAZAAAABYAAABMAAAAAAAAAAAAAAAEAAAAAAAAAAEAAADn5uYKAAAAACgAAAAoAAAAZAAAAGQAAAAAAAAAzMzMAAAAAABQAAAAUAAAAGQAAABkAAAAAAAAABcAAAAUAAAAAAAAAAAAAAD/fwAA/38AAAAAAAAJAAAABAAAAAAAAAAeAAAAaAAAAAAAAAAAAAAAAAAAAAAAAAAAAAAAECcAABAnAAAAAAAAAAAAAAAAAAAAAAAAAAAAAAAAAAAAAAAAAAAAABQAAAAAAAAAwMD/AAAAAABkAAAAMgAAAAAAAABkAAAAAAAAAH9/fwAKAAAAIgAAABgAAAAAAAAAAAAAAAAAAAAAAAAAAAAAAAAAAAAkAAAAJAAAAAAAAAAHAAAAAAAAAAAAAAAAAAAAAAAAAAAAAAAAAAAAf39/ACUAAABYAAAAAAAAAAAAAAAAAAAAAAAAAAAAAAAAAAAAAAAAAAAAAAAAAAAAAAAAAAAAAAA/AAAAAAAAAKCGAQAAAAAAAAAAAAAAAAAMAAAAAQAAAAAAAAAAAAAAAAAAAB8AAABUAAAARHLEBf///wEAAAAAAAAAAAAAAAAAAAAAAAAAAAAAAAAAAAAAAAAAAAAAAAJ/f38A5+bmA8zMzADAwP8Af39/AAAAAAAAAAAAAAAAAAAAAAAAAAAAIQAAABgAAAAUAAAAKAUAAD8CAADYRQAAZwoAABAAAAAmAAAACAAAAAAAAAAAAAAAMAAAABQAAAAAAAAAAAD//wAAAQAAAP//AAABAA=="/>
+                <pr:smNativeData xmlns="smNativeData" xmlns:pr="smNativeData" xmlns:p15="http://schemas.microsoft.com/office/powerpoint/2012/main" xmlns:p14="http://schemas.microsoft.com/office/powerpoint/2010/main" xmlns:mc="http://schemas.openxmlformats.org/markup-compatibility/2006" val="SMDATA_16_xzE7ZxMAAAAlAAAAZAAAAA0AAAAAkAAAAEgAAACQAAAASAAAAAAAAAABAAAAAAAAAAEAAABQAAAAAAAAAAAA4D8AAAAAAADgPwAAAAAAAOA/AAAAAAAA4D8AAAAAAADgPwAAAAAAAOA/AAAAAAAA4D8AAAAAAADgPwAAAAAAAOA/AAAAAAAA4D8CAAAAjAAAAAAAAAAAAAAARHLEDP///wgAAAAAAAAAAAAAAAAAAAAAAAAAAAAAAAAAAAAAZAAAAAEAAABAAAAAAAAAAAAAAAAAAAAAAAAAAAAAAAAAAAAAAAAAAAAAAAAAAAAAAAAAAAAAAAAAAAAAAAAAAAAAAAAAAAAAAAAAAAAAAAAAAAAAAAAAAAAAAAAAAAAAFAAAADwAAAAAAAAAAAAAAAAAAAkUAAAAAQAAABQAAAAUAAAAFAAAAAEAAAAAAAAAZAAAAGQAAAAAAAAAZAAAAGQAAAAVAAAAYAAAAAAAAAAAAAAADwAAACADAAAAAAAAAAAAAAEAAACgMgAAVgcAAKr4//8BAAAAf39/AAEAAABkAAAAAAAAABQAAABAHwAAAAAAACYAAAAAAAAAwOD//wAAAAAmAAAAZAAAABYAAABMAAAAAAAAAAAAAAAEAAAAAAAAAAEAAADn5uYKAAAAACgAAAAoAAAAZAAAAGQAAAAAAAAAzMzMAAAAAABQAAAAUAAAAGQAAABkAAAAAAAAABcAAAAUAAAAAAAAAAAAAAD/fwAA/38AAAAAAAAJAAAABAAAAAAAAAAeAAAAaAAAAAAAAAAAAAAAAAAAAAAAAAAAAAAAECcAABAnAAAAAAAAAAAAAAAAAAAAAAAAAAAAAAAAAAAAAAAAAAAAABQAAAAAAAAAwMD/AAAAAABkAAAAMgAAAAAAAABkAAAAAAAAAH9/fwAKAAAAIgAAABgAAAAAAAAAAAAAAAAAAAAAAAAAAAAAAAAAAAAkAAAAJAAAAAAAAAAHAAAAAAAAAAAAAAAAAAAAAAAAAAAAAAAAAAAAf39/ACUAAABYAAAAAAAAAAAAAAAAAAAAAAAAAAAAAAAAAAAAAAAAAAAAAAAAAAAAAAAAAAAAAAA/AAAAAAAAAKCGAQAAAAAAAAAAAAAAAAAMAAAAAQAAAAAAAAAAAAAAAAAAAB8AAABUAAAARHLEBf///wEAAAAAAAAAAAAAAAAAAAAAAAAAAAAAAAAAAAAAAAAAAAAAAAJ/f38A5+bmA8zMzADAwP8Af39/AAAAAAAAAAAAAAAAAAAAAAAAAAAAIQAAABgAAAAUAAAAKAUAAD8CAADYRQAAZwoAABAAAAAmAAAACAAAAAAAAAAAAAAAMAAAABQAAAAAAAAAAAD//wAAAQAAAP//AAABAA=="/>
               </a:ext>
             </a:extLst>
           </p:cNvSpPr>
@@ -5849,7 +5849,7 @@
             <a:spLocks noGrp="1" noChangeArrowheads="1"/>
             <a:extLst>
               <a:ext uri="smNativeData">
-                <pr:smNativeData xmlns:mc="http://schemas.openxmlformats.org/markup-compatibility/2006" xmlns:p14="http://schemas.microsoft.com/office/powerpoint/2010/main" xmlns:p15="http://schemas.microsoft.com/office/powerpoint/2012/main" xmlns:pr="smNativeData" xmlns="smNativeData" val="SMDATA_16_xzE7ZxMAAAAlAAAAZAAAAA0AAAAAkAAAAEgAAACQAAAASAAAAAAAAAAAAAAAAAAAAAEAAABQAAAAAAAAAAAA4D8AAAAAAADgPwAAAAAAAOA/AAAAAAAA4D8AAAAAAADgPwAAAAAAAOA/AAAAAAAA4D8AAAAAAADgPwAAAAAAAOA/AAAAAAAA4D8CAAAAjAAAAAAAAAAAAAAARHLEDP///wgAAAAAAAAAAAAAAAAAAAAAAAAAAAAAAAAAAAAAZAAAAAEAAABAAAAAAAAAAAAAAAAAAAAAAAAAAAAAAAAAAAAAAAAAAAAAAAAAAAAAAAAAAAAAAAAAAAAAAAAAAAAAAAAAAAAAAAAAAAAAAAAAAAAAAAAAAAAAAAAAAAAAFAAAADwAAAAAAAAAAAAAAAAAAAkUAAAAAQAAABQAAAAUAAAAFAAAAAEAAAAAAAAAZAAAAGQAAAAAAAAAZAAAAGQAAAAVAAAAYAAAAAAAAAAAAAAADwAAACADAAAAAAAAAAAAAAEAAACgMgAAVgcAAKr4//8BAAAAf39/AAEAAABkAAAAAAAAABQAAABAHwAAAAAAACYAAAAAAAAAwOD//wAAAAAmAAAAZAAAABYAAABMAAAAAAAAAAAAAAAEAAAAAAAAAAEAAADn5uYKAAAAACgAAAAoAAAAZAAAAGQAAAAAAAAAzMzMAAAAAABQAAAAUAAAAGQAAABkAAAAAAAAABcAAAAUAAAAAAAAAAAAAAD/fwAA/38AAAAAAAAJAAAABAAAAMoAwx4eAAAAaAAAAAAAAAAAAAAAAAAAAAAAAAAAAAAAECcAABAnAAAAAAAAAAAAAAAAAAAAAAAAAAAAAAAAAAAAAAAAAAAAABQAAAAAAAAAwMD/AAAAAABkAAAAMgAAAAAAAABkAAAAAAAAAH9/fwAKAAAAIgAAABgAAAAAAAAAAAAAAAAAAAAAAAAAAAAAAAAAAAAkAAAAJAAAAAAAAAAHAAAAAAAAAAAAAAAAAAAAAAAAAAAAAAAAAAAAf39/ACUAAABYAAAAAAAAAAAAAAAAAAAAAAAAAAAAAAAAAAAAAAAAAAAAAAAAAAAAAAAAAAAAAAA/AAAAAAAAAKCGAQAAAAAAAAAAAAAAAAAMAAAAAQAAAAAAAAAAAAAAAAAAAB8AAABUAAAARHLEBf///wEAAAAAAAAAAAAAAAAAAAAAAAAAAAAAAAAAAAAAAAAAAAAAAAJ/f38A5+bmA8zMzADAwP8Af39/AAAAAAAAAAAAAAAAAAAAAAAAAAAAIQAAABgAAAAUAAAAKAUAADsLAADYRQAAACYAABAAAAAmAAAACAAAAAAAAAAAAAAAMAAAABQAAAAAAAAAAAD//wAAAQAAAP//AAABAA=="/>
+                <pr:smNativeData xmlns="smNativeData" xmlns:pr="smNativeData" xmlns:p15="http://schemas.microsoft.com/office/powerpoint/2012/main" xmlns:p14="http://schemas.microsoft.com/office/powerpoint/2010/main" xmlns:mc="http://schemas.openxmlformats.org/markup-compatibility/2006" val="SMDATA_16_xzE7ZxMAAAAlAAAAZAAAAA0AAAAAkAAAAEgAAACQAAAASAAAAAAAAAAAAAAAAAAAAAEAAABQAAAAAAAAAAAA4D8AAAAAAADgPwAAAAAAAOA/AAAAAAAA4D8AAAAAAADgPwAAAAAAAOA/AAAAAAAA4D8AAAAAAADgPwAAAAAAAOA/AAAAAAAA4D8CAAAAjAAAAAAAAAAAAAAARHLEDP///wgAAAAAAAAAAAAAAAAAAAAAAAAAAAAAAAAAAAAAZAAAAAEAAABAAAAAAAAAAAAAAAAAAAAAAAAAAAAAAAAAAAAAAAAAAAAAAAAAAAAAAAAAAAAAAAAAAAAAAAAAAAAAAAAAAAAAAAAAAAAAAAAAAAAAAAAAAAAAAAAAAAAAFAAAADwAAAAAAAAAAAAAAAAAAAkUAAAAAQAAABQAAAAUAAAAFAAAAAEAAAAAAAAAZAAAAGQAAAAAAAAAZAAAAGQAAAAVAAAAYAAAAAAAAAAAAAAADwAAACADAAAAAAAAAAAAAAEAAACgMgAAVgcAAKr4//8BAAAAf39/AAEAAABkAAAAAAAAABQAAABAHwAAAAAAACYAAAAAAAAAwOD//wAAAAAmAAAAZAAAABYAAABMAAAAAAAAAAAAAAAEAAAAAAAAAAEAAADn5uYKAAAAACgAAAAoAAAAZAAAAGQAAAAAAAAAzMzMAAAAAABQAAAAUAAAAGQAAABkAAAAAAAAABcAAAAUAAAAAAAAAAAAAAD/fwAA/38AAAAAAAAJAAAABAAAAMoAwx4eAAAAaAAAAAAAAAAAAAAAAAAAAAAAAAAAAAAAECcAABAnAAAAAAAAAAAAAAAAAAAAAAAAAAAAAAAAAAAAAAAAAAAAABQAAAAAAAAAwMD/AAAAAABkAAAAMgAAAAAAAABkAAAAAAAAAH9/fwAKAAAAIgAAABgAAAAAAAAAAAAAAAAAAAAAAAAAAAAAAAAAAAAkAAAAJAAAAAAAAAAHAAAAAAAAAAAAAAAAAAAAAAAAAAAAAAAAAAAAf39/ACUAAABYAAAAAAAAAAAAAAAAAAAAAAAAAAAAAAAAAAAAAAAAAAAAAAAAAAAAAAAAAAAAAAA/AAAAAAAAAKCGAQAAAAAAAAAAAAAAAAAMAAAAAQAAAAAAAAAAAAAAAAAAAB8AAABUAAAARHLEBf///wEAAAAAAAAAAAAAAAAAAAAAAAAAAAAAAAAAAAAAAAAAAAAAAAJ/f38A5+bmA8zMzADAwP8Af39/AAAAAAAAAAAAAAAAAAAAAAAAAAAAIQAAABgAAAAUAAAAKAUAADsLAADYRQAAACYAABAAAAAmAAAACAAAAAAAAAAAAAAAMAAAABQAAAAAAAAAAAD//wAAAQAAAP//AAABAA=="/>
               </a:ext>
             </a:extLst>
           </p:cNvSpPr>
@@ -5876,7 +5876,7 @@
             <a:picLocks noChangeAspect="1"/>
             <a:extLst>
               <a:ext uri="smNativeData">
-                <pr:smNativeData xmlns:mc="http://schemas.openxmlformats.org/markup-compatibility/2006" xmlns:p14="http://schemas.microsoft.com/office/powerpoint/2010/main" xmlns:p15="http://schemas.microsoft.com/office/powerpoint/2012/main" xmlns:pr="smNativeData" xmlns="smNativeData" val="SMDATA_18_xzE7ZxMAAAAlAAAAEQAAAC0AAAAAkAAAAEgAAACQAAAASAAAAAAAAAAAAAAAAAAAAAEAAABQAAAAAAAAAAAA4D8AAAAAAADgPwAAAAAAAOA/AAAAAAAA4D8AAAAAAADgPwAAAAAAAOA/AAAAAAAA4D8AAAAAAADgPwAAAAAAAOA/AAAAAAAA4D8CAAAAjAAAAAAAAAAAAAAARHLEDP///wgAAAAAAAAAAAAAAAAAAAAAAAAAAAAAAAAAAAAAZAAAAAEAAABAAAAAAAAAAAAAAAAAAAAAAAAAAAAAAAAAAAAAAAAAAAAAAAAAAAAAAAAAAAAAAAAAAAAAAAAAAAAAAAAAAAAAAAAAAAAAAAAAAAAAAAAAAAAAAAAAAAAAFAAAADwAAAAAAAAAAAAAAAAAAAkUAAAAAQAAABQAAAAUAAAAFAAAAAEAAAAAAAAAZAAAAGQAAAAAAAAAZAAAAGQAAAAVAAAAYAAAAAAAAAAAAAAADwAAACADAAAAAAAAAAAAAAEAAACgMgAAVgcAAKr4//8BAAAAf39/AAEAAABkAAAAAAAAABQAAABAHwAAAAAAACYAAAAAAAAAwOD//wAAAAAmAAAAZAAAABYAAABMAAAAAAAAAAAAAAAEAAAAAAAAAAEAAADn5uYKAAAAACgAAAAoAAAAZAAAAGQAAAAAAAAAzMzMAAAAAABQAAAAUAAAAGQAAABkAAAAAAAAAAcAAAA4AAAAAAAAAAAAAAAAAAAA////AAAAAAAAAAAAAAAAAAAAAAAAAAAAAAAAAAAAAABkAAAAZAAAAAAAAAAjAAAABAAAAGQAAAAXAAAAFAAAAAAAAAAAAAAA/38AAP9/AAAAAAAACQAAAAQAAAD/////HgAAAGgAAAAAAAAAAAAAAAAAAAAAAAAAAAAAABAnAAAQJwAAAAAAAAAAAAAAAAAAAAAAAAAAAAAAAAAAAAAAAAAAAAAUAAAAAAAAAMDA/wAAAAAAZAAAADIAAAAAAAAAZAAAAAAAAAB/f38ACgAAACIAAAAYAAAAAAAAAAAAAAAAAAAAAAAAAAAAAAAAAAAAJAAAACQAAAAAAAAABwAAAAAAAAAAAAAAAAAAAAAAAAAAAAAAAAAAAH9/fwAlAAAAWAAAAAAAAAAAAAAAAAAAAAAAAAAAAAAAAAAAAAAAAAAAAAAAAAAAAAAAAAAAAAAAPwAAAAAAAACghgEAAAAAAAAAAAAAAAAADAAAAAEAAAAAAAAAAAAAAAAAAAAfAAAAVAAAAERyxAX///8BAAAAAAAAAAAAAAAAAAAAAAAAAAAAAAAAAAAAAAAAAAAAAAACf39/AOfm5gPMzMwAwMD/AH9/fwAAAAAAAAAAAAAAAAD///8AAAAAACEAAAAYAAAAFAAAAEEEAADAEQAAgCUAAPEnAAAQAAAAJgAAAAgAAAD//////////zAAAAAUAAAAAAAAAAAA//8AAAEAAAD//wAAAQA="/>
+                <pr:smNativeData xmlns="smNativeData" xmlns:pr="smNativeData" xmlns:p15="http://schemas.microsoft.com/office/powerpoint/2012/main" xmlns:p14="http://schemas.microsoft.com/office/powerpoint/2010/main" xmlns:mc="http://schemas.openxmlformats.org/markup-compatibility/2006" val="SMDATA_18_xzE7ZxMAAAAlAAAAEQAAAC0AAAAAkAAAAEgAAACQAAAASAAAAAAAAAAAAAAAAAAAAAEAAABQAAAAAAAAAAAA4D8AAAAAAADgPwAAAAAAAOA/AAAAAAAA4D8AAAAAAADgPwAAAAAAAOA/AAAAAAAA4D8AAAAAAADgPwAAAAAAAOA/AAAAAAAA4D8CAAAAjAAAAAAAAAAAAAAARHLEDP///wgAAAAAAAAAAAAAAAAAAAAAAAAAAAAAAAAAAAAAZAAAAAEAAABAAAAAAAAAAAAAAAAAAAAAAAAAAAAAAAAAAAAAAAAAAAAAAAAAAAAAAAAAAAAAAAAAAAAAAAAAAAAAAAAAAAAAAAAAAAAAAAAAAAAAAAAAAAAAAAAAAAAAFAAAADwAAAAAAAAAAAAAAAAAAAkUAAAAAQAAABQAAAAUAAAAFAAAAAEAAAAAAAAAZAAAAGQAAAAAAAAAZAAAAGQAAAAVAAAAYAAAAAAAAAAAAAAADwAAACADAAAAAAAAAAAAAAEAAACgMgAAVgcAAKr4//8BAAAAf39/AAEAAABkAAAAAAAAABQAAABAHwAAAAAAACYAAAAAAAAAwOD//wAAAAAmAAAAZAAAABYAAABMAAAAAAAAAAAAAAAEAAAAAAAAAAEAAADn5uYKAAAAACgAAAAoAAAAZAAAAGQAAAAAAAAAzMzMAAAAAABQAAAAUAAAAGQAAABkAAAAAAAAAAcAAAA4AAAAAAAAAAAAAAAAAAAA////AAAAAAAAAAAAAAAAAAAAAAAAAAAAAAAAAAAAAABkAAAAZAAAAAAAAAAjAAAABAAAAGQAAAAXAAAAFAAAAAAAAAAAAAAA/38AAP9/AAAAAAAACQAAAAQAAAD/////HgAAAGgAAAAAAAAAAAAAAAAAAAAAAAAAAAAAABAnAAAQJwAAAAAAAAAAAAAAAAAAAAAAAAAAAAAAAAAAAAAAAAAAAAAUAAAAAAAAAMDA/wAAAAAAZAAAADIAAAAAAAAAZAAAAAAAAAB/f38ACgAAACIAAAAYAAAAAAAAAAAAAAAAAAAAAAAAAAAAAAAAAAAAJAAAACQAAAAAAAAABwAAAAAAAAAAAAAAAAAAAAAAAAAAAAAAAAAAAH9/fwAlAAAAWAAAAAAAAAAAAAAAAAAAAAAAAAAAAAAAAAAAAAAAAAAAAAAAAAAAAAAAAAAAAAAAPwAAAAAAAACghgEAAAAAAAAAAAAAAAAADAAAAAEAAAAAAAAAAAAAAAAAAAAfAAAAVAAAAERyxAX///8BAAAAAAAAAAAAAAAAAAAAAAAAAAAAAAAAAAAAAAAAAAAAAAACf39/AOfm5gPMzMwAwMD/AH9/fwAAAAAAAAAAAAAAAAD///8AAAAAACEAAAAYAAAAFAAAAEEEAADAEQAAgCUAAPEnAAAQAAAAJgAAAAgAAAD//////////zAAAAAUAAAAAAAAAAAA//8AAAEAAAD//wAAAQA="/>
               </a:ext>
             </a:extLst>
           </p:cNvPicPr>
@@ -5910,7 +5910,7 @@
             <a:picLocks noChangeAspect="1"/>
             <a:extLst>
               <a:ext uri="smNativeData">
-                <pr:smNativeData xmlns:mc="http://schemas.openxmlformats.org/markup-compatibility/2006" xmlns:p14="http://schemas.microsoft.com/office/powerpoint/2010/main" xmlns:p15="http://schemas.microsoft.com/office/powerpoint/2012/main" xmlns:pr="smNativeData" xmlns="smNativeData" val="SMDATA_18_xzE7ZxMAAAAlAAAAEQAAAC0AAAAAkAAAAEgAAACQAAAASAAAAAAAAAAAAAAAAAAAAAEAAABQAAAAAAAAAAAA4D8AAAAAAADgPwAAAAAAAOA/AAAAAAAA4D8AAAAAAADgPwAAAAAAAOA/AAAAAAAA4D8AAAAAAADgPwAAAAAAAOA/AAAAAAAA4D8CAAAAjAAAAAAAAAAAAAAARHLEDP///wgAAAAAAAAAAAAAAAAAAAAAAAAAAAAAAAAAAAAAZAAAAAEAAABAAAAAAAAAAAAAAAAAAAAAAAAAAAAAAAAAAAAAAAAAAAAAAAAAAAAAAAAAAAAAAAAAAAAAAAAAAAAAAAAAAAAAAAAAAAAAAAAAAAAAAAAAAAAAAAAAAAAAFAAAADwAAAAAAAAAAAAAAAAAAAkUAAAAAQAAABQAAAAUAAAAFAAAAAEAAAAAAAAAZAAAAGQAAAAAAAAAZAAAAGQAAAAVAAAAYAAAAAAAAAAAAAAADwAAACADAAAAAAAAAAAAAAEAAACgMgAAVgcAAKr4//8BAAAAf39/AAEAAABkAAAAAAAAABQAAABAHwAAAAAAACYAAAAAAAAAwOD//wAAAAAmAAAAZAAAABYAAABMAAAAAAAAAAAAAAAEAAAAAAAAAAEAAADn5uYKAAAAACgAAAAoAAAAZAAAAGQAAAAAAAAAzMzMAAAAAABQAAAAUAAAAGQAAABkAAAAAAAAAAcAAAA4AAAAAAAAAAAAAAAAAAAA////AAAAAAAAAAAAAAAAAAAAAAAAAAAAAAAAAAAAAABkAAAAZAAAAAAAAAAjAAAABAAAAGQAAAAXAAAAFAAAAAAAAAAAAAAA/38AAP9/AAAAAAAACQAAAAQAAAD/////HgAAAGgAAAAAAAAAAAAAAAAAAAAAAAAAAAAAABAnAAAQJwAAAAAAAAAAAAAAAAAAAAAAAAAAAAAAAAAAAAAAAAAAAAAUAAAAAAAAAMDA/wAAAAAAZAAAADIAAAAAAAAAZAAAAAAAAAB/f38ACgAAACIAAAAYAAAAAAAAAAAAAAAAAAAAAAAAAAAAAAAAAAAAJAAAACQAAAAAAAAABwAAAAAAAAAAAAAAAAAAAAAAAAAAAAAAAAAAAH9/fwAlAAAAWAAAAAAAAAAAAAAAAAAAAAAAAAAAAAAAAAAAAAAAAAAAAAAAAAAAAAAAAAAAAAAAPwAAAAAAAACghgEAAAAAAAAAAAAAAAAADAAAAAEAAAAAAAAAAAAAAAAAAAAfAAAAVAAAAERyxAX///8BAAAAAAAAAAAAAAAAAAAAAAAAAAAAAAAAAAAAAAAAAAAAAAACf39/AOfm5gPMzMwAwMD/AH9/fwAAAAAAAAAAAAAAAAD///8AAAAAACEAAAAYAAAAFAAAAAImAADsEAAAJUgAAPEnAAAQAAAAJgAAAAgAAAD//////////zAAAAAUAAAAAAAAAAAA//8AAAEAAAD//wAAAQA="/>
+                <pr:smNativeData xmlns="smNativeData" xmlns:pr="smNativeData" xmlns:p15="http://schemas.microsoft.com/office/powerpoint/2012/main" xmlns:p14="http://schemas.microsoft.com/office/powerpoint/2010/main" xmlns:mc="http://schemas.openxmlformats.org/markup-compatibility/2006" val="SMDATA_18_xzE7ZxMAAAAlAAAAEQAAAC0AAAAAkAAAAEgAAACQAAAASAAAAAAAAAAAAAAAAAAAAAEAAABQAAAAAAAAAAAA4D8AAAAAAADgPwAAAAAAAOA/AAAAAAAA4D8AAAAAAADgPwAAAAAAAOA/AAAAAAAA4D8AAAAAAADgPwAAAAAAAOA/AAAAAAAA4D8CAAAAjAAAAAAAAAAAAAAARHLEDP///wgAAAAAAAAAAAAAAAAAAAAAAAAAAAAAAAAAAAAAZAAAAAEAAABAAAAAAAAAAAAAAAAAAAAAAAAAAAAAAAAAAAAAAAAAAAAAAAAAAAAAAAAAAAAAAAAAAAAAAAAAAAAAAAAAAAAAAAAAAAAAAAAAAAAAAAAAAAAAAAAAAAAAFAAAADwAAAAAAAAAAAAAAAAAAAkUAAAAAQAAABQAAAAUAAAAFAAAAAEAAAAAAAAAZAAAAGQAAAAAAAAAZAAAAGQAAAAVAAAAYAAAAAAAAAAAAAAADwAAACADAAAAAAAAAAAAAAEAAACgMgAAVgcAAKr4//8BAAAAf39/AAEAAABkAAAAAAAAABQAAABAHwAAAAAAACYAAAAAAAAAwOD//wAAAAAmAAAAZAAAABYAAABMAAAAAAAAAAAAAAAEAAAAAAAAAAEAAADn5uYKAAAAACgAAAAoAAAAZAAAAGQAAAAAAAAAzMzMAAAAAABQAAAAUAAAAGQAAABkAAAAAAAAAAcAAAA4AAAAAAAAAAAAAAAAAAAA////AAAAAAAAAAAAAAAAAAAAAAAAAAAAAAAAAAAAAABkAAAAZAAAAAAAAAAjAAAABAAAAGQAAAAXAAAAFAAAAAAAAAAAAAAA/38AAP9/AAAAAAAACQAAAAQAAAD/////HgAAAGgAAAAAAAAAAAAAAAAAAAAAAAAAAAAAABAnAAAQJwAAAAAAAAAAAAAAAAAAAAAAAAAAAAAAAAAAAAAAAAAAAAAUAAAAAAAAAMDA/wAAAAAAZAAAADIAAAAAAAAAZAAAAAAAAAB/f38ACgAAACIAAAAYAAAAAAAAAAAAAAAAAAAAAAAAAAAAAAAAAAAAJAAAACQAAAAAAAAABwAAAAAAAAAAAAAAAAAAAAAAAAAAAAAAAAAAAH9/fwAlAAAAWAAAAAAAAAAAAAAAAAAAAAAAAAAAAAAAAAAAAAAAAAAAAAAAAAAAAAAAAAAAAAAAPwAAAAAAAACghgEAAAAAAAAAAAAAAAAADAAAAAEAAAAAAAAAAAAAAAAAAAAfAAAAVAAAAERyxAX///8BAAAAAAAAAAAAAAAAAAAAAAAAAAAAAAAAAAAAAAAAAAAAAAACf39/AOfm5gPMzMwAwMD/AH9/fwAAAAAAAAAAAAAAAAD///8AAAAAACEAAAAYAAAAFAAAAAImAADsEAAAJUgAAPEnAAAQAAAAJgAAAAgAAAD//////////zAAAAAUAAAAAAAAAAAA//8AAAEAAAD//wAAAQA="/>
               </a:ext>
             </a:extLst>
           </p:cNvPicPr>
@@ -5976,7 +5976,7 @@
             <a:spLocks noGrp="1" noChangeArrowheads="1"/>
             <a:extLst>
               <a:ext uri="smNativeData">
-                <pr:smNativeData xmlns:mc="http://schemas.openxmlformats.org/markup-compatibility/2006" xmlns:p14="http://schemas.microsoft.com/office/powerpoint/2010/main" xmlns:p15="http://schemas.microsoft.com/office/powerpoint/2012/main" xmlns:pr="smNativeData" xmlns="smNativeData" val="SMDATA_16_xzE7ZxMAAAAlAAAAZAAAAA0AAAAAkAAAAEgAAACQAAAASAAAAAAAAAABAAAAAAAAAAEAAABQAAAAAAAAAAAA4D8AAAAAAADgPwAAAAAAAOA/AAAAAAAA4D8AAAAAAADgPwAAAAAAAOA/AAAAAAAA4D8AAAAAAADgPwAAAAAAAOA/AAAAAAAA4D8CAAAAjAAAAAAAAAAAAAAARHLEDP///wgAAAAAAAAAAAAAAAAAAAAAAAAAAAAAAAAAAAAAZAAAAAEAAABAAAAAAAAAAAAAAAAAAAAAAAAAAAAAAAAAAAAAAAAAAAAAAAAAAAAAAAAAAAAAAAAAAAAAAAAAAAAAAAAAAAAAAAAAAAAAAAAAAAAAAAAAAAAAAAAAAAAAFAAAADwAAAAAAAAAAAAAAAAAAAkUAAAAAQAAABQAAAAUAAAAFAAAAAEAAAAAAAAAZAAAAGQAAAAAAAAAZAAAAGQAAAAVAAAAYAAAAAAAAAAAAAAADwAAACADAAAAAAAAAAAAAAEAAACgMgAAVgcAAKr4//8BAAAAf39/AAEAAABkAAAAAAAAABQAAABAHwAAAAAAACYAAAAAAAAAwOD//wAAAAAmAAAAZAAAABYAAABMAAAAAAAAAAAAAAAEAAAAAAAAAAEAAADn5uYKAAAAACgAAAAoAAAAZAAAAGQAAAAAAAAAzMzMAAAAAABQAAAAUAAAAGQAAABkAAAAAAAAABcAAAAUAAAAAAAAAAAAAAD/fwAA/38AAAAAAAAJAAAABAAAAAAAAAAeAAAAaAAAAAAAAAAAAAAAAAAAAAAAAAAAAAAAECcAABAnAAAAAAAAAAAAAAAAAAAAAAAAAAAAAAAAAAAAAAAAAAAAABQAAAAAAAAAwMD/AAAAAABkAAAAMgAAAAAAAABkAAAAAAAAAH9/fwAKAAAAIgAAABgAAAAAAAAAAAAAAAAAAAAAAAAAAAAAAAAAAAAkAAAAJAAAAAAAAAAHAAAAAAAAAAAAAAAAAAAAAAAAAAAAAAAAAAAAf39/ACUAAABYAAAAAAAAAAAAAAAAAAAAAAAAAAAAAAAAAAAAAAAAAAAAAAAAAAAAAAAAAAAAAAA/AAAAAAAAAKCGAQAAAAAAAAAAAAAAAAAMAAAAAQAAAAAAAAAAAAAAAAAAAB8AAABUAAAARHLEBf///wEAAAAAAAAAAAAAAAAAAAAAAAAAAAAAAAAAAAAAAAAAAAAAAAJ/f38A5+bmA8zMzADAwP8Af39/AAAAAAAAAAAAAAAAAAAAAAAAAAAAIQAAABgAAAAUAAAAKAUAAD8CAADYRQAAZwoAABAAAAAmAAAACAAAAAAAAAAAAAAAMAAAABQAAAAAAAAAAAD//wAAAQAAAP//AAABAA=="/>
+                <pr:smNativeData xmlns="smNativeData" xmlns:pr="smNativeData" xmlns:p15="http://schemas.microsoft.com/office/powerpoint/2012/main" xmlns:p14="http://schemas.microsoft.com/office/powerpoint/2010/main" xmlns:mc="http://schemas.openxmlformats.org/markup-compatibility/2006" val="SMDATA_16_xzE7ZxMAAAAlAAAAZAAAAA0AAAAAkAAAAEgAAACQAAAASAAAAAAAAAABAAAAAAAAAAEAAABQAAAAAAAAAAAA4D8AAAAAAADgPwAAAAAAAOA/AAAAAAAA4D8AAAAAAADgPwAAAAAAAOA/AAAAAAAA4D8AAAAAAADgPwAAAAAAAOA/AAAAAAAA4D8CAAAAjAAAAAAAAAAAAAAARHLEDP///wgAAAAAAAAAAAAAAAAAAAAAAAAAAAAAAAAAAAAAZAAAAAEAAABAAAAAAAAAAAAAAAAAAAAAAAAAAAAAAAAAAAAAAAAAAAAAAAAAAAAAAAAAAAAAAAAAAAAAAAAAAAAAAAAAAAAAAAAAAAAAAAAAAAAAAAAAAAAAAAAAAAAAFAAAADwAAAAAAAAAAAAAAAAAAAkUAAAAAQAAABQAAAAUAAAAFAAAAAEAAAAAAAAAZAAAAGQAAAAAAAAAZAAAAGQAAAAVAAAAYAAAAAAAAAAAAAAADwAAACADAAAAAAAAAAAAAAEAAACgMgAAVgcAAKr4//8BAAAAf39/AAEAAABkAAAAAAAAABQAAABAHwAAAAAAACYAAAAAAAAAwOD//wAAAAAmAAAAZAAAABYAAABMAAAAAAAAAAAAAAAEAAAAAAAAAAEAAADn5uYKAAAAACgAAAAoAAAAZAAAAGQAAAAAAAAAzMzMAAAAAABQAAAAUAAAAGQAAABkAAAAAAAAABcAAAAUAAAAAAAAAAAAAAD/fwAA/38AAAAAAAAJAAAABAAAAAAAAAAeAAAAaAAAAAAAAAAAAAAAAAAAAAAAAAAAAAAAECcAABAnAAAAAAAAAAAAAAAAAAAAAAAAAAAAAAAAAAAAAAAAAAAAABQAAAAAAAAAwMD/AAAAAABkAAAAMgAAAAAAAABkAAAAAAAAAH9/fwAKAAAAIgAAABgAAAAAAAAAAAAAAAAAAAAAAAAAAAAAAAAAAAAkAAAAJAAAAAAAAAAHAAAAAAAAAAAAAAAAAAAAAAAAAAAAAAAAAAAAf39/ACUAAABYAAAAAAAAAAAAAAAAAAAAAAAAAAAAAAAAAAAAAAAAAAAAAAAAAAAAAAAAAAAAAAA/AAAAAAAAAKCGAQAAAAAAAAAAAAAAAAAMAAAAAQAAAAAAAAAAAAAAAAAAAB8AAABUAAAARHLEBf///wEAAAAAAAAAAAAAAAAAAAAAAAAAAAAAAAAAAAAAAAAAAAAAAAJ/f38A5+bmA8zMzADAwP8Af39/AAAAAAAAAAAAAAAAAAAAAAAAAAAAIQAAABgAAAAUAAAAKAUAAD8CAADYRQAAZwoAABAAAAAmAAAACAAAAAAAAAAAAAAAMAAAABQAAAAAAAAAAAD//wAAAQAAAP//AAABAA=="/>
               </a:ext>
             </a:extLst>
           </p:cNvSpPr>
@@ -6003,7 +6003,7 @@
             <a:spLocks noGrp="1" noChangeArrowheads="1"/>
             <a:extLst>
               <a:ext uri="smNativeData">
-                <pr:smNativeData xmlns:mc="http://schemas.openxmlformats.org/markup-compatibility/2006" xmlns:p14="http://schemas.microsoft.com/office/powerpoint/2010/main" xmlns:p15="http://schemas.microsoft.com/office/powerpoint/2012/main" xmlns:pr="smNativeData" xmlns="smNativeData" val="SMDATA_16_xzE7ZxMAAAAlAAAAZAAAAA0AAAAAkAAAAEgAAACQAAAASAAAAAAAAAAAAAAAAAAAAAEAAABQAAAAAAAAAAAA4D8AAAAAAADgPwAAAAAAAOA/AAAAAAAA4D8AAAAAAADgPwAAAAAAAOA/AAAAAAAA4D8AAAAAAADgPwAAAAAAAOA/AAAAAAAA4D8CAAAAjAAAAAAAAAAAAAAARHLEDP///wgAAAAAAAAAAAAAAAAAAAAAAAAAAAAAAAAAAAAAZAAAAAEAAABAAAAAAAAAAAAAAAAAAAAAAAAAAAAAAAAAAAAAAAAAAAAAAAAAAAAAAAAAAAAAAAAAAAAAAAAAAAAAAAAAAAAAAAAAAAAAAAAAAAAAAAAAAAAAAAAAAAAAFAAAADwAAAAAAAAAAAAAAAAAAAkUAAAAAQAAABQAAAAUAAAAFAAAAAEAAAAAAAAAZAAAAGQAAAAAAAAAZAAAAGQAAAAVAAAAYAAAAAAAAAAAAAAADwAAACADAAAAAAAAAAAAAAEAAACgMgAAVgcAAKr4//8BAAAAf39/AAEAAABkAAAAAAAAABQAAABAHwAAAAAAACYAAAAAAAAAwOD//wAAAAAmAAAAZAAAABYAAABMAAAAAAAAAAAAAAAEAAAAAAAAAAEAAADn5uYKAAAAACgAAAAoAAAAZAAAAGQAAAAAAAAAzMzMAAAAAABQAAAAUAAAAGQAAABkAAAAAAAAABcAAAAUAAAAAAAAAAAAAAD/fwAA/38AAAAAAAAJAAAABAAAAAAAAAAeAAAAaAAAAAAAAAAAAAAAAAAAAAAAAAAAAAAAECcAABAnAAAAAAAAAAAAAAAAAAAAAAAAAAAAAAAAAAAAAAAAAAAAABQAAAAAAAAAwMD/AAAAAABkAAAAMgAAAAAAAABkAAAAAAAAAH9/fwAKAAAAIgAAABgAAAAAAAAAAAAAAAAAAAAAAAAAAAAAAAAAAAAkAAAAJAAAAAAAAAAHAAAAAAAAAAAAAAAAAAAAAAAAAAAAAAAAAAAAf39/ACUAAABYAAAAAAAAAAAAAAAAAAAAAAAAAAAAAAAAAAAAAAAAAAAAAAAAAAAAAAAAAAAAAAA/AAAAAAAAAKCGAQAAAAAAAAAAAAAAAAAMAAAAAQAAAAAAAAAAAAAAAAAAAB8AAABUAAAARHLEBf///wEAAAAAAAAAAAAAAAAAAAAAAAAAAAAAAAAAAAAAAAAAAAAAAAJ/f38A5+bmA8zMzADAwP8Af39/AAAAAAAAAAAAAAAAAAAAAAAAAAAAIQAAABgAAAAUAAAAKAUAADsLAADYRQAAACYAABAAAAAmAAAACAAAAAAAAAAAAAAAMAAAABQAAAAAAAAAAAD//wAAAQAAAP//AAABAA=="/>
+                <pr:smNativeData xmlns="smNativeData" xmlns:pr="smNativeData" xmlns:p15="http://schemas.microsoft.com/office/powerpoint/2012/main" xmlns:p14="http://schemas.microsoft.com/office/powerpoint/2010/main" xmlns:mc="http://schemas.openxmlformats.org/markup-compatibility/2006" val="SMDATA_16_xzE7ZxMAAAAlAAAAZAAAAA0AAAAAkAAAAEgAAACQAAAASAAAAAAAAAAAAAAAAAAAAAEAAABQAAAAAAAAAAAA4D8AAAAAAADgPwAAAAAAAOA/AAAAAAAA4D8AAAAAAADgPwAAAAAAAOA/AAAAAAAA4D8AAAAAAADgPwAAAAAAAOA/AAAAAAAA4D8CAAAAjAAAAAAAAAAAAAAARHLEDP///wgAAAAAAAAAAAAAAAAAAAAAAAAAAAAAAAAAAAAAZAAAAAEAAABAAAAAAAAAAAAAAAAAAAAAAAAAAAAAAAAAAAAAAAAAAAAAAAAAAAAAAAAAAAAAAAAAAAAAAAAAAAAAAAAAAAAAAAAAAAAAAAAAAAAAAAAAAAAAAAAAAAAAFAAAADwAAAAAAAAAAAAAAAAAAAkUAAAAAQAAABQAAAAUAAAAFAAAAAEAAAAAAAAAZAAAAGQAAAAAAAAAZAAAAGQAAAAVAAAAYAAAAAAAAAAAAAAADwAAACADAAAAAAAAAAAAAAEAAACgMgAAVgcAAKr4//8BAAAAf39/AAEAAABkAAAAAAAAABQAAABAHwAAAAAAACYAAAAAAAAAwOD//wAAAAAmAAAAZAAAABYAAABMAAAAAAAAAAAAAAAEAAAAAAAAAAEAAADn5uYKAAAAACgAAAAoAAAAZAAAAGQAAAAAAAAAzMzMAAAAAABQAAAAUAAAAGQAAABkAAAAAAAAABcAAAAUAAAAAAAAAAAAAAD/fwAA/38AAAAAAAAJAAAABAAAAAAAAAAeAAAAaAAAAAAAAAAAAAAAAAAAAAAAAAAAAAAAECcAABAnAAAAAAAAAAAAAAAAAAAAAAAAAAAAAAAAAAAAAAAAAAAAABQAAAAAAAAAwMD/AAAAAABkAAAAMgAAAAAAAABkAAAAAAAAAH9/fwAKAAAAIgAAABgAAAAAAAAAAAAAAAAAAAAAAAAAAAAAAAAAAAAkAAAAJAAAAAAAAAAHAAAAAAAAAAAAAAAAAAAAAAAAAAAAAAAAAAAAf39/ACUAAABYAAAAAAAAAAAAAAAAAAAAAAAAAAAAAAAAAAAAAAAAAAAAAAAAAAAAAAAAAAAAAAA/AAAAAAAAAKCGAQAAAAAAAAAAAAAAAAAMAAAAAQAAAAAAAAAAAAAAAAAAAB8AAABUAAAARHLEBf///wEAAAAAAAAAAAAAAAAAAAAAAAAAAAAAAAAAAAAAAAAAAAAAAAJ/f38A5+bmA8zMzADAwP8Af39/AAAAAAAAAAAAAAAAAAAAAAAAAAAAIQAAABgAAAAUAAAAKAUAADsLAADYRQAAACYAABAAAAAmAAAACAAAAAAAAAAAAAAAMAAAABQAAAAAAAAAAAD//wAAAQAAAP//AAABAA=="/>
               </a:ext>
             </a:extLst>
           </p:cNvSpPr>
@@ -6110,7 +6110,7 @@
             <a:spLocks noGrp="1" noChangeArrowheads="1"/>
             <a:extLst>
               <a:ext uri="smNativeData">
-                <pr:smNativeData xmlns:mc="http://schemas.openxmlformats.org/markup-compatibility/2006" xmlns:p14="http://schemas.microsoft.com/office/powerpoint/2010/main" xmlns:p15="http://schemas.microsoft.com/office/powerpoint/2012/main" xmlns:pr="smNativeData" xmlns="smNativeData" val="SMDATA_16_xzE7ZxMAAAAlAAAAZAAAAA0AAAAAkAAAAEgAAACQAAAASAAAAAAAAAABAAAAAAAAAAEAAABQAAAAAAAAAAAA4D8AAAAAAADgPwAAAAAAAOA/AAAAAAAA4D8AAAAAAADgPwAAAAAAAOA/AAAAAAAA4D8AAAAAAADgPwAAAAAAAOA/AAAAAAAA4D8CAAAAjAAAAAAAAAAAAAAARHLEDP///wgAAAAAAAAAAAAAAAAAAAAAAAAAAAAAAAAAAAAAZAAAAAEAAABAAAAAAAAAAAAAAAAAAAAAAAAAAAAAAAAAAAAAAAAAAAAAAAAAAAAAAAAAAAAAAAAAAAAAAAAAAAAAAAAAAAAAAAAAAAAAAAAAAAAAAAAAAAAAAAAAAAAAFAAAADwAAAAAAAAAAAAAAAAAAAkUAAAAAQAAABQAAAAUAAAAFAAAAAEAAAAAAAAAZAAAAGQAAAAAAAAAZAAAAGQAAAAVAAAAYAAAAAAAAAAAAAAADwAAACADAAAAAAAAAAAAAAEAAACgMgAAVgcAAKr4//8BAAAAf39/AAEAAABkAAAAAAAAABQAAABAHwAAAAAAACYAAAAAAAAAwOD//wAAAAAmAAAAZAAAABYAAABMAAAAAAAAAAAAAAAEAAAAAAAAAAEAAADn5uYKAAAAACgAAAAoAAAAZAAAAGQAAAAAAAAAzMzMAAAAAABQAAAAUAAAAGQAAABkAAAAAAAAABcAAAAUAAAAAAAAAAAAAAD/fwAA/38AAAAAAAAJAAAABAAAAPCmZ7seAAAAaAAAAAAAAAAAAAAAAAAAAAAAAAAAAAAAECcAABAnAAAAAAAAAAAAAAAAAAAAAAAAAAAAAAAAAAAAAAAAAAAAABQAAAAAAAAAwMD/AAAAAABkAAAAMgAAAAAAAABkAAAAAAAAAH9/fwAKAAAAIgAAABgAAAAAAAAAAAAAAAAAAAAAAAAAAAAAAAAAAAAkAAAAJAAAAAAAAAAHAAAAAAAAAAAAAAAAAAAAAAAAAAAAAAAAAAAAf39/ACUAAABYAAAAAAAAAAAAAAAAAAAAAAAAAAAAAAAAAAAAAAAAAAAAAAAAAAAAAAAAAAAAAAA/AAAAAAAAAKCGAQAAAAAAAAAAAAAAAAAMAAAAAQAAAAAAAAAAAAAAAAAAAB8AAABUAAAARHLEBf///wEAAAAAAAAAAAAAAAAAAAAAAAAAAAAAAAAAAAAAAAAAAAAAAAJ/f38A5+bmA8zMzADAwP8Af39/AAAAAAAAAAAAAAAAAAAAAAAAAAAAIQAAABgAAAAUAAAAKAUAAD8CAADYRQAAZwoAABAAAAAmAAAACAAAAAAAAAAAAAAAMAAAABQAAAAAAAAAAAD//wAAAQAAAP//AAABAA=="/>
+                <pr:smNativeData xmlns="smNativeData" xmlns:pr="smNativeData" xmlns:p15="http://schemas.microsoft.com/office/powerpoint/2012/main" xmlns:p14="http://schemas.microsoft.com/office/powerpoint/2010/main" xmlns:mc="http://schemas.openxmlformats.org/markup-compatibility/2006" val="SMDATA_16_xzE7ZxMAAAAlAAAAZAAAAA0AAAAAkAAAAEgAAACQAAAASAAAAAAAAAABAAAAAAAAAAEAAABQAAAAAAAAAAAA4D8AAAAAAADgPwAAAAAAAOA/AAAAAAAA4D8AAAAAAADgPwAAAAAAAOA/AAAAAAAA4D8AAAAAAADgPwAAAAAAAOA/AAAAAAAA4D8CAAAAjAAAAAAAAAAAAAAARHLEDP///wgAAAAAAAAAAAAAAAAAAAAAAAAAAAAAAAAAAAAAZAAAAAEAAABAAAAAAAAAAAAAAAAAAAAAAAAAAAAAAAAAAAAAAAAAAAAAAAAAAAAAAAAAAAAAAAAAAAAAAAAAAAAAAAAAAAAAAAAAAAAAAAAAAAAAAAAAAAAAAAAAAAAAFAAAADwAAAAAAAAAAAAAAAAAAAkUAAAAAQAAABQAAAAUAAAAFAAAAAEAAAAAAAAAZAAAAGQAAAAAAAAAZAAAAGQAAAAVAAAAYAAAAAAAAAAAAAAADwAAACADAAAAAAAAAAAAAAEAAACgMgAAVgcAAKr4//8BAAAAf39/AAEAAABkAAAAAAAAABQAAABAHwAAAAAAACYAAAAAAAAAwOD//wAAAAAmAAAAZAAAABYAAABMAAAAAAAAAAAAAAAEAAAAAAAAAAEAAADn5uYKAAAAACgAAAAoAAAAZAAAAGQAAAAAAAAAzMzMAAAAAABQAAAAUAAAAGQAAABkAAAAAAAAABcAAAAUAAAAAAAAAAAAAAD/fwAA/38AAAAAAAAJAAAABAAAAPCmZ7seAAAAaAAAAAAAAAAAAAAAAAAAAAAAAAAAAAAAECcAABAnAAAAAAAAAAAAAAAAAAAAAAAAAAAAAAAAAAAAAAAAAAAAABQAAAAAAAAAwMD/AAAAAABkAAAAMgAAAAAAAABkAAAAAAAAAH9/fwAKAAAAIgAAABgAAAAAAAAAAAAAAAAAAAAAAAAAAAAAAAAAAAAkAAAAJAAAAAAAAAAHAAAAAAAAAAAAAAAAAAAAAAAAAAAAAAAAAAAAf39/ACUAAABYAAAAAAAAAAAAAAAAAAAAAAAAAAAAAAAAAAAAAAAAAAAAAAAAAAAAAAAAAAAAAAA/AAAAAAAAAKCGAQAAAAAAAAAAAAAAAAAMAAAAAQAAAAAAAAAAAAAAAAAAAB8AAABUAAAARHLEBf///wEAAAAAAAAAAAAAAAAAAAAAAAAAAAAAAAAAAAAAAAAAAAAAAAJ/f38A5+bmA8zMzADAwP8Af39/AAAAAAAAAAAAAAAAAAAAAAAAAAAAIQAAABgAAAAUAAAAKAUAAD8CAADYRQAAZwoAABAAAAAmAAAACAAAAAAAAAAAAAAAMAAAABQAAAAAAAAAAAD//wAAAQAAAP//AAABAA=="/>
               </a:ext>
             </a:extLst>
           </p:cNvSpPr>
@@ -6137,7 +6137,7 @@
             <a:spLocks noGrp="1" noChangeArrowheads="1"/>
             <a:extLst>
               <a:ext uri="smNativeData">
-                <pr:smNativeData xmlns:mc="http://schemas.openxmlformats.org/markup-compatibility/2006" xmlns:p14="http://schemas.microsoft.com/office/powerpoint/2010/main" xmlns:p15="http://schemas.microsoft.com/office/powerpoint/2012/main" xmlns:pr="smNativeData" xmlns="smNativeData" val="SMDATA_16_xzE7ZxMAAAAlAAAAZAAAAA0AAAAAkAAAAEgAAACQAAAASAAAAAAAAAAAAAAAAAAAAAEAAABQAAAAAAAAAAAA4D8AAAAAAADgPwAAAAAAAOA/AAAAAAAA4D8AAAAAAADgPwAAAAAAAOA/AAAAAAAA4D8AAAAAAADgPwAAAAAAAOA/AAAAAAAA4D8CAAAAjAAAAAAAAAAAAAAARHLEDP///wgAAAAAAAAAAAAAAAAAAAAAAAAAAAAAAAAAAAAAZAAAAAEAAABAAAAAAAAAAAAAAAAAAAAAAAAAAAAAAAAAAAAAAAAAAAAAAAAAAAAAAAAAAAAAAAAAAAAAAAAAAAAAAAAAAAAAAAAAAAAAAAAAAAAAAAAAAAAAAAAAAAAAFAAAADwAAAAAAAAAAAAAAAAAAAkUAAAAAQAAABQAAAAUAAAAFAAAAAEAAAAAAAAAZAAAAGQAAAAAAAAAZAAAAGQAAAAVAAAAYAAAAAAAAAAAAAAADwAAACADAAAAAAAAAAAAAAEAAACgMgAAVgcAAKr4//8BAAAAf39/AAEAAABkAAAAAAAAABQAAABAHwAAAAAAACYAAAAAAAAAwOD//wAAAAAmAAAAZAAAABYAAABMAAAAAAAAAAAAAAAEAAAAAAAAAAEAAADn5uYKAAAAACgAAAAoAAAAZAAAAGQAAAAAAAAAzMzMAAAAAABQAAAAUAAAAGQAAABkAAAAAAAAABcAAAAUAAAAAAAAAAAAAAD/fwAA/38AAAAAAAAJAAAABAAAABAFBAAeAAAAaAAAAAAAAAAAAAAAAAAAAAAAAAAAAAAAECcAABAnAAAAAAAAAAAAAAAAAAAAAAAAAAAAAAAAAAAAAAAAAAAAABQAAAAAAAAAwMD/AAAAAABkAAAAMgAAAAAAAABkAAAAAAAAAH9/fwAKAAAAIgAAABgAAAAAAAAAAAAAAAAAAAAAAAAAAAAAAAAAAAAkAAAAJAAAAAAAAAAHAAAAAAAAAAAAAAAAAAAAAAAAAAAAAAAAAAAAf39/ACUAAABYAAAAAAAAAAAAAAAAAAAAAAAAAAAAAAAAAAAAAAAAAAAAAAAAAAAAAAAAAAAAAAA/AAAAAAAAAKCGAQAAAAAAAAAAAAAAAAAMAAAAAQAAAAAAAAAAAAAAAAAAAB8AAABUAAAARHLEBf///wEAAAAAAAAAAAAAAAAAAAAAAAAAAAAAAAAAAAAAAAAAAAAAAAJ/f38A5+bmA8zMzADAwP8Af39/AAAAAAAAAAAAAAAAAAAAAAAAAAAAIQAAABgAAAAUAAAAKAUAADsLAADYRQAAACYAABAAAAAmAAAACAAAAAAAAAAAAAAAMAAAABQAAAAAAAAAAAD//wAAAQAAAP//AAABAA=="/>
+                <pr:smNativeData xmlns="smNativeData" xmlns:pr="smNativeData" xmlns:p15="http://schemas.microsoft.com/office/powerpoint/2012/main" xmlns:p14="http://schemas.microsoft.com/office/powerpoint/2010/main" xmlns:mc="http://schemas.openxmlformats.org/markup-compatibility/2006" val="SMDATA_16_xzE7ZxMAAAAlAAAAZAAAAA0AAAAAkAAAAEgAAACQAAAASAAAAAAAAAAAAAAAAAAAAAEAAABQAAAAAAAAAAAA4D8AAAAAAADgPwAAAAAAAOA/AAAAAAAA4D8AAAAAAADgPwAAAAAAAOA/AAAAAAAA4D8AAAAAAADgPwAAAAAAAOA/AAAAAAAA4D8CAAAAjAAAAAAAAAAAAAAARHLEDP///wgAAAAAAAAAAAAAAAAAAAAAAAAAAAAAAAAAAAAAZAAAAAEAAABAAAAAAAAAAAAAAAAAAAAAAAAAAAAAAAAAAAAAAAAAAAAAAAAAAAAAAAAAAAAAAAAAAAAAAAAAAAAAAAAAAAAAAAAAAAAAAAAAAAAAAAAAAAAAAAAAAAAAFAAAADwAAAAAAAAAAAAAAAAAAAkUAAAAAQAAABQAAAAUAAAAFAAAAAEAAAAAAAAAZAAAAGQAAAAAAAAAZAAAAGQAAAAVAAAAYAAAAAAAAAAAAAAADwAAACADAAAAAAAAAAAAAAEAAACgMgAAVgcAAKr4//8BAAAAf39/AAEAAABkAAAAAAAAABQAAABAHwAAAAAAACYAAAAAAAAAwOD//wAAAAAmAAAAZAAAABYAAABMAAAAAAAAAAAAAAAEAAAAAAAAAAEAAADn5uYKAAAAACgAAAAoAAAAZAAAAGQAAAAAAAAAzMzMAAAAAABQAAAAUAAAAGQAAABkAAAAAAAAABcAAAAUAAAAAAAAAAAAAAD/fwAA/38AAAAAAAAJAAAABAAAABAFBAAeAAAAaAAAAAAAAAAAAAAAAAAAAAAAAAAAAAAAECcAABAnAAAAAAAAAAAAAAAAAAAAAAAAAAAAAAAAAAAAAAAAAAAAABQAAAAAAAAAwMD/AAAAAABkAAAAMgAAAAAAAABkAAAAAAAAAH9/fwAKAAAAIgAAABgAAAAAAAAAAAAAAAAAAAAAAAAAAAAAAAAAAAAkAAAAJAAAAAAAAAAHAAAAAAAAAAAAAAAAAAAAAAAAAAAAAAAAAAAAf39/ACUAAABYAAAAAAAAAAAAAAAAAAAAAAAAAAAAAAAAAAAAAAAAAAAAAAAAAAAAAAAAAAAAAAA/AAAAAAAAAKCGAQAAAAAAAAAAAAAAAAAMAAAAAQAAAAAAAAAAAAAAAAAAAB8AAABUAAAARHLEBf///wEAAAAAAAAAAAAAAAAAAAAAAAAAAAAAAAAAAAAAAAAAAAAAAAJ/f38A5+bmA8zMzADAwP8Af39/AAAAAAAAAAAAAAAAAAAAAAAAAAAAIQAAABgAAAAUAAAAKAUAADsLAADYRQAAACYAABAAAAAmAAAACAAAAAAAAAAAAAAAMAAAABQAAAAAAAAAAAD//wAAAQAAAP//AAABAA=="/>
               </a:ext>
             </a:extLst>
           </p:cNvSpPr>
@@ -6244,7 +6244,7 @@
             <a:spLocks noGrp="1" noChangeArrowheads="1"/>
             <a:extLst>
               <a:ext uri="smNativeData">
-                <pr:smNativeData xmlns:mc="http://schemas.openxmlformats.org/markup-compatibility/2006" xmlns:p14="http://schemas.microsoft.com/office/powerpoint/2010/main" xmlns:p15="http://schemas.microsoft.com/office/powerpoint/2012/main" xmlns:pr="smNativeData" xmlns="smNativeData" val="SMDATA_16_xzE7ZxMAAAAlAAAAZAAAAA0AAAAAkAAAAEgAAACQAAAASAAAAAAAAAABAAAAAAAAAAEAAABQAAAAAAAAAAAA4D8AAAAAAADgPwAAAAAAAOA/AAAAAAAA4D8AAAAAAADgPwAAAAAAAOA/AAAAAAAA4D8AAAAAAADgPwAAAAAAAOA/AAAAAAAA4D8CAAAAjAAAAAAAAAAAAAAARHLEDP///wgAAAAAAAAAAAAAAAAAAAAAAAAAAAAAAAAAAAAAZAAAAAEAAABAAAAAAAAAAAAAAAAAAAAAAAAAAAAAAAAAAAAAAAAAAAAAAAAAAAAAAAAAAAAAAAAAAAAAAAAAAAAAAAAAAAAAAAAAAAAAAAAAAAAAAAAAAAAAAAAAAAAAFAAAADwAAAAAAAAAAAAAAAAAAAkUAAAAAQAAABQAAAAUAAAAFAAAAAEAAAAAAAAAZAAAAGQAAAAAAAAAZAAAAGQAAAAVAAAAYAAAAAAAAAAAAAAADwAAACADAAAAAAAAAAAAAAEAAACgMgAAVgcAAKr4//8BAAAAf39/AAEAAABkAAAAAAAAABQAAABAHwAAAAAAACYAAAAAAAAAwOD//wAAAAAmAAAAZAAAABYAAABMAAAAAAAAAAAAAAAEAAAAAAAAAAEAAADn5uYKAAAAACgAAAAoAAAAZAAAAGQAAAAAAAAAzMzMAAAAAABQAAAAUAAAAGQAAABkAAAAAAAAABcAAAAUAAAAAAAAAAAAAAD/fwAA/38AAAAAAAAJAAAABAAAANCabbseAAAAaAAAAAAAAAAAAAAAAAAAAAAAAAAAAAAAECcAABAnAAAAAAAAAAAAAAAAAAAAAAAAAAAAAAAAAAAAAAAAAAAAABQAAAAAAAAAwMD/AAAAAABkAAAAMgAAAAAAAABkAAAAAAAAAH9/fwAKAAAAIgAAABgAAAAAAAAAAAAAAAAAAAAAAAAAAAAAAAAAAAAkAAAAJAAAAAAAAAAHAAAAAAAAAAAAAAAAAAAAAAAAAAAAAAAAAAAAf39/ACUAAABYAAAAAAAAAAAAAAAAAAAAAAAAAAAAAAAAAAAAAAAAAAAAAAAAAAAAAAAAAAAAAAA/AAAAAAAAAKCGAQAAAAAAAAAAAAAAAAAMAAAAAQAAAAAAAAAAAAAAAAAAAB8AAABUAAAARHLEBf///wEAAAAAAAAAAAAAAAAAAAAAAAAAAAAAAAAAAAAAAAAAAAAAAAJ/f38A5+bmA8zMzADAwP8Af39/AAAAAAAAAAAAAAAAAAAAAAAAAAAAIQAAABgAAAAUAAAAKAUAAD8CAADYRQAAUwYAABAAAAAmAAAACAAAAAEgAAAAAAAAMAAAABQAAAAAAAAAAAD//wAAAQAAAP//AAABAA=="/>
+                <pr:smNativeData xmlns="smNativeData" xmlns:pr="smNativeData" xmlns:p15="http://schemas.microsoft.com/office/powerpoint/2012/main" xmlns:p14="http://schemas.microsoft.com/office/powerpoint/2010/main" xmlns:mc="http://schemas.openxmlformats.org/markup-compatibility/2006" val="SMDATA_16_xzE7ZxMAAAAlAAAAZAAAAA0AAAAAkAAAAEgAAACQAAAASAAAAAAAAAABAAAAAAAAAAEAAABQAAAAAAAAAAAA4D8AAAAAAADgPwAAAAAAAOA/AAAAAAAA4D8AAAAAAADgPwAAAAAAAOA/AAAAAAAA4D8AAAAAAADgPwAAAAAAAOA/AAAAAAAA4D8CAAAAjAAAAAAAAAAAAAAARHLEDP///wgAAAAAAAAAAAAAAAAAAAAAAAAAAAAAAAAAAAAAZAAAAAEAAABAAAAAAAAAAAAAAAAAAAAAAAAAAAAAAAAAAAAAAAAAAAAAAAAAAAAAAAAAAAAAAAAAAAAAAAAAAAAAAAAAAAAAAAAAAAAAAAAAAAAAAAAAAAAAAAAAAAAAFAAAADwAAAAAAAAAAAAAAAAAAAkUAAAAAQAAABQAAAAUAAAAFAAAAAEAAAAAAAAAZAAAAGQAAAAAAAAAZAAAAGQAAAAVAAAAYAAAAAAAAAAAAAAADwAAACADAAAAAAAAAAAAAAEAAACgMgAAVgcAAKr4//8BAAAAf39/AAEAAABkAAAAAAAAABQAAABAHwAAAAAAACYAAAAAAAAAwOD//wAAAAAmAAAAZAAAABYAAABMAAAAAAAAAAAAAAAEAAAAAAAAAAEAAADn5uYKAAAAACgAAAAoAAAAZAAAAGQAAAAAAAAAzMzMAAAAAABQAAAAUAAAAGQAAABkAAAAAAAAABcAAAAUAAAAAAAAAAAAAAD/fwAA/38AAAAAAAAJAAAABAAAANCabbseAAAAaAAAAAAAAAAAAAAAAAAAAAAAAAAAAAAAECcAABAnAAAAAAAAAAAAAAAAAAAAAAAAAAAAAAAAAAAAAAAAAAAAABQAAAAAAAAAwMD/AAAAAABkAAAAMgAAAAAAAABkAAAAAAAAAH9/fwAKAAAAIgAAABgAAAAAAAAAAAAAAAAAAAAAAAAAAAAAAAAAAAAkAAAAJAAAAAAAAAAHAAAAAAAAAAAAAAAAAAAAAAAAAAAAAAAAAAAAf39/ACUAAABYAAAAAAAAAAAAAAAAAAAAAAAAAAAAAAAAAAAAAAAAAAAAAAAAAAAAAAAAAAAAAAA/AAAAAAAAAKCGAQAAAAAAAAAAAAAAAAAMAAAAAQAAAAAAAAAAAAAAAAAAAB8AAABUAAAARHLEBf///wEAAAAAAAAAAAAAAAAAAAAAAAAAAAAAAAAAAAAAAAAAAAAAAAJ/f38A5+bmA8zMzADAwP8Af39/AAAAAAAAAAAAAAAAAAAAAAAAAAAAIQAAABgAAAAUAAAAKAUAAD8CAADYRQAAUwYAABAAAAAmAAAACAAAAAEgAAAAAAAAMAAAABQAAAAAAAAAAAD//wAAAQAAAP//AAABAA=="/>
               </a:ext>
             </a:extLst>
           </p:cNvSpPr>
@@ -6283,7 +6283,7 @@
             <a:spLocks noGrp="1" noChangeArrowheads="1"/>
             <a:extLst>
               <a:ext uri="smNativeData">
-                <pr:smNativeData xmlns:mc="http://schemas.openxmlformats.org/markup-compatibility/2006" xmlns:p14="http://schemas.microsoft.com/office/powerpoint/2010/main" xmlns:p15="http://schemas.microsoft.com/office/powerpoint/2012/main" xmlns:pr="smNativeData" xmlns="smNativeData" val="SMDATA_16_xzE7ZxMAAAAlAAAAZAAAAA0AAAAAkAAAAEgAAACQAAAASAAAAAAAAAAAAAAAAAAAAAEAAABQAAAAAAAAAAAA4D8AAAAAAADgPwAAAAAAAOA/AAAAAAAA4D8AAAAAAADgPwAAAAAAAOA/AAAAAAAA4D8AAAAAAADgPwAAAAAAAOA/AAAAAAAA4D8CAAAAjAAAAAAAAAAAAAAARHLEDP///wgAAAAAAAAAAAAAAAAAAAAAAAAAAAAAAAAAAAAAZAAAAAEAAABAAAAAAAAAAAAAAAAAAAAAAAAAAAAAAAAAAAAAAAAAAAAAAAAAAAAAAAAAAAAAAAAAAAAAAAAAAAAAAAAAAAAAAAAAAAAAAAAAAAAAAAAAAAAAAAAAAAAAFAAAADwAAAAAAAAAAAAAAAAAAAkUAAAAAQAAABQAAAAUAAAAFAAAAAEAAAAAAAAAZAAAAGQAAAAAAAAAZAAAAGQAAAAVAAAAYAAAAAAAAAAAAAAADwAAACADAAAAAAAAAAAAAAEAAACgMgAAVgcAAKr4//8BAAAAf39/AAEAAABkAAAAAAAAABQAAABAHwAAAAAAACYAAAAAAAAAwOD//wAAAAAmAAAAZAAAABYAAABMAAAAAAAAAAAAAAAEAAAAAAAAAAEAAADn5uYKAAAAACgAAAAoAAAAZAAAAGQAAAAAAAAAzMzMAAAAAABQAAAAUAAAAGQAAABkAAAAAAAAABcAAAAUAAAAAAAAAAAAAAD/fwAA/38AAAAAAAAJAAAABAAAAAAAAAAeAAAAaAAAAAAAAAAAAAAAAAAAAAAAAAAAAAAAECcAABAnAAAAAAAAAAAAAAAAAAAAAAAAAAAAAAAAAAAAAAAAAAAAABQAAAAAAAAAwMD/AAAAAABkAAAAMgAAAAAAAABkAAAAAAAAAH9/fwAKAAAAIgAAABgAAAAAAAAAAAAAAAAAAAAAAAAAAAAAAAAAAAAkAAAAJAAAAAAAAAAHAAAAAAAAAAAAAAAAAAAAAAAAAAAAAAAAAAAAf39/ACUAAABYAAAAAAAAAAAAAAAAAAAAAAAAAAAAAAAAAAAAAAAAAAAAAAAAAAAAAAAAAAAAAAA/AAAAAAAAAKCGAQAAAAAAAAAAAAAAAAAMAAAAAQAAAAAAAAAAAAAAAAAAAB8AAABUAAAARHLEBf///wEAAAAAAAAAAAAAAAAAAAAAAAAAAAAAAAAAAAAAAAAAAAAAAAJ/f38A5+bmA8zMzADAwP8Af39/AAAAAAAAAAAAAAAAAAAAAAAAAAAAIQAAABgAAAAUAAAAKAUAADsLAADYRQAAACYAABAAAAAmAAAACAAAAAAAAAAAAAAAMAAAABQAAAAAAAAAAAD//wAAAQAAAP//AAABAA=="/>
+                <pr:smNativeData xmlns="smNativeData" xmlns:pr="smNativeData" xmlns:p15="http://schemas.microsoft.com/office/powerpoint/2012/main" xmlns:p14="http://schemas.microsoft.com/office/powerpoint/2010/main" xmlns:mc="http://schemas.openxmlformats.org/markup-compatibility/2006" val="SMDATA_16_xzE7ZxMAAAAlAAAAZAAAAA0AAAAAkAAAAEgAAACQAAAASAAAAAAAAAAAAAAAAAAAAAEAAABQAAAAAAAAAAAA4D8AAAAAAADgPwAAAAAAAOA/AAAAAAAA4D8AAAAAAADgPwAAAAAAAOA/AAAAAAAA4D8AAAAAAADgPwAAAAAAAOA/AAAAAAAA4D8CAAAAjAAAAAAAAAAAAAAARHLEDP///wgAAAAAAAAAAAAAAAAAAAAAAAAAAAAAAAAAAAAAZAAAAAEAAABAAAAAAAAAAAAAAAAAAAAAAAAAAAAAAAAAAAAAAAAAAAAAAAAAAAAAAAAAAAAAAAAAAAAAAAAAAAAAAAAAAAAAAAAAAAAAAAAAAAAAAAAAAAAAAAAAAAAAFAAAADwAAAAAAAAAAAAAAAAAAAkUAAAAAQAAABQAAAAUAAAAFAAAAAEAAAAAAAAAZAAAAGQAAAAAAAAAZAAAAGQAAAAVAAAAYAAAAAAAAAAAAAAADwAAACADAAAAAAAAAAAAAAEAAACgMgAAVgcAAKr4//8BAAAAf39/AAEAAABkAAAAAAAAABQAAABAHwAAAAAAACYAAAAAAAAAwOD//wAAAAAmAAAAZAAAABYAAABMAAAAAAAAAAAAAAAEAAAAAAAAAAEAAADn5uYKAAAAACgAAAAoAAAAZAAAAGQAAAAAAAAAzMzMAAAAAABQAAAAUAAAAGQAAABkAAAAAAAAABcAAAAUAAAAAAAAAAAAAAD/fwAA/38AAAAAAAAJAAAABAAAAAAAAAAeAAAAaAAAAAAAAAAAAAAAAAAAAAAAAAAAAAAAECcAABAnAAAAAAAAAAAAAAAAAAAAAAAAAAAAAAAAAAAAAAAAAAAAABQAAAAAAAAAwMD/AAAAAABkAAAAMgAAAAAAAABkAAAAAAAAAH9/fwAKAAAAIgAAABgAAAAAAAAAAAAAAAAAAAAAAAAAAAAAAAAAAAAkAAAAJAAAAAAAAAAHAAAAAAAAAAAAAAAAAAAAAAAAAAAAAAAAAAAAf39/ACUAAABYAAAAAAAAAAAAAAAAAAAAAAAAAAAAAAAAAAAAAAAAAAAAAAAAAAAAAAAAAAAAAAA/AAAAAAAAAKCGAQAAAAAAAAAAAAAAAAAMAAAAAQAAAAAAAAAAAAAAAAAAAB8AAABUAAAARHLEBf///wEAAAAAAAAAAAAAAAAAAAAAAAAAAAAAAAAAAAAAAAAAAAAAAAJ/f38A5+bmA8zMzADAwP8Af39/AAAAAAAAAAAAAAAAAAAAAAAAAAAAIQAAABgAAAAUAAAAKAUAADsLAADYRQAAACYAABAAAAAmAAAACAAAAAAAAAAAAAAAMAAAABQAAAAAAAAAAAD//wAAAQAAAP//AAABAA=="/>
               </a:ext>
             </a:extLst>
           </p:cNvSpPr>
@@ -6366,7 +6366,7 @@
             <a:spLocks noGrp="1" noChangeArrowheads="1"/>
             <a:extLst>
               <a:ext uri="smNativeData">
-                <pr:smNativeData xmlns:mc="http://schemas.openxmlformats.org/markup-compatibility/2006" xmlns:p14="http://schemas.microsoft.com/office/powerpoint/2010/main" xmlns:p15="http://schemas.microsoft.com/office/powerpoint/2012/main" xmlns:pr="smNativeData" xmlns="smNativeData" val="SMDATA_16_xzE7ZxMAAAAlAAAAZAAAAA0AAAAAkAAAAEgAAACQAAAASAAAAAAAAAABAAAAAAAAAAEAAABQAAAAAAAAAAAA4D8AAAAAAADgPwAAAAAAAOA/AAAAAAAA4D8AAAAAAADgPwAAAAAAAOA/AAAAAAAA4D8AAAAAAADgPwAAAAAAAOA/AAAAAAAA4D8CAAAAjAAAAAAAAAAAAAAARHLEDP///wgAAAAAAAAAAAAAAAAAAAAAAAAAAAAAAAAAAAAAZAAAAAEAAABAAAAAAAAAAAAAAAAAAAAAAAAAAAAAAAAAAAAAAAAAAAAAAAAAAAAAAAAAAAAAAAAAAAAAAAAAAAAAAAAAAAAAAAAAAAAAAAAAAAAAAAAAAAAAAAAAAAAAFAAAADwAAAAAAAAAAAAAAAAAAAkUAAAAAQAAABQAAAAUAAAAFAAAAAEAAAAAAAAAZAAAAGQAAAAAAAAAZAAAAGQAAAAVAAAAYAAAAAAAAAAAAAAADwAAACADAAAAAAAAAAAAAAEAAACgMgAAVgcAAKr4//8BAAAAf39/AAEAAABkAAAAAAAAABQAAABAHwAAAAAAACYAAAAAAAAAwOD//wAAAAAmAAAAZAAAABYAAABMAAAAAAAAAAAAAAAEAAAAAAAAAAEAAADn5uYKAAAAACgAAAAoAAAAZAAAAGQAAAAAAAAAzMzMAAAAAABQAAAAUAAAAGQAAABkAAAAAAAAABcAAAAUAAAAAAAAAAAAAAD/fwAA/38AAAAAAAAJAAAABAAAAAAAAAAeAAAAaAAAAAAAAAAAAAAAAAAAAAAAAAAAAAAAECcAABAnAAAAAAAAAAAAAAAAAAAAAAAAAAAAAAAAAAAAAAAAAAAAABQAAAAAAAAAwMD/AAAAAABkAAAAMgAAAAAAAABkAAAAAAAAAH9/fwAKAAAAIgAAABgAAAAAAAAAAAAAAAAAAAAAAAAAAAAAAAAAAAAkAAAAJAAAAAAAAAAHAAAAAAAAAAAAAAAAAAAAAAAAAAAAAAAAAAAAf39/ACUAAABYAAAAAAAAAAAAAAAAAAAAAAAAAAAAAAAAAAAAAAAAAAAAAAAAAAAAAAAAAAAAAAA/AAAAAAAAAKCGAQAAAAAAAAAAAAAAAAAMAAAAAQAAAAAAAAAAAAAAAAAAAB8AAABUAAAARHLEBf///wEAAAAAAAAAAAAAAAAAAAAAAAAAAAAAAAAAAAAAAAAAAAAAAAJ/f38A5+bmA8zMzADAwP8Af39/AAAAAAAAAAAAAAAAAAAAAAAAAAAAIQAAABgAAAAUAAAAKAUAAD8CAADYRQAAZwoAABAAAAAmAAAACAAAAAAAAAAAAAAAMAAAABQAAAAAAAAAAAD//wAAAQAAAP//AAABAA=="/>
+                <pr:smNativeData xmlns="smNativeData" xmlns:pr="smNativeData" xmlns:p15="http://schemas.microsoft.com/office/powerpoint/2012/main" xmlns:p14="http://schemas.microsoft.com/office/powerpoint/2010/main" xmlns:mc="http://schemas.openxmlformats.org/markup-compatibility/2006" val="SMDATA_16_xzE7ZxMAAAAlAAAAZAAAAA0AAAAAkAAAAEgAAACQAAAASAAAAAAAAAABAAAAAAAAAAEAAABQAAAAAAAAAAAA4D8AAAAAAADgPwAAAAAAAOA/AAAAAAAA4D8AAAAAAADgPwAAAAAAAOA/AAAAAAAA4D8AAAAAAADgPwAAAAAAAOA/AAAAAAAA4D8CAAAAjAAAAAAAAAAAAAAARHLEDP///wgAAAAAAAAAAAAAAAAAAAAAAAAAAAAAAAAAAAAAZAAAAAEAAABAAAAAAAAAAAAAAAAAAAAAAAAAAAAAAAAAAAAAAAAAAAAAAAAAAAAAAAAAAAAAAAAAAAAAAAAAAAAAAAAAAAAAAAAAAAAAAAAAAAAAAAAAAAAAAAAAAAAAFAAAADwAAAAAAAAAAAAAAAAAAAkUAAAAAQAAABQAAAAUAAAAFAAAAAEAAAAAAAAAZAAAAGQAAAAAAAAAZAAAAGQAAAAVAAAAYAAAAAAAAAAAAAAADwAAACADAAAAAAAAAAAAAAEAAACgMgAAVgcAAKr4//8BAAAAf39/AAEAAABkAAAAAAAAABQAAABAHwAAAAAAACYAAAAAAAAAwOD//wAAAAAmAAAAZAAAABYAAABMAAAAAAAAAAAAAAAEAAAAAAAAAAEAAADn5uYKAAAAACgAAAAoAAAAZAAAAGQAAAAAAAAAzMzMAAAAAABQAAAAUAAAAGQAAABkAAAAAAAAABcAAAAUAAAAAAAAAAAAAAD/fwAA/38AAAAAAAAJAAAABAAAAAAAAAAeAAAAaAAAAAAAAAAAAAAAAAAAAAAAAAAAAAAAECcAABAnAAAAAAAAAAAAAAAAAAAAAAAAAAAAAAAAAAAAAAAAAAAAABQAAAAAAAAAwMD/AAAAAABkAAAAMgAAAAAAAABkAAAAAAAAAH9/fwAKAAAAIgAAABgAAAAAAAAAAAAAAAAAAAAAAAAAAAAAAAAAAAAkAAAAJAAAAAAAAAAHAAAAAAAAAAAAAAAAAAAAAAAAAAAAAAAAAAAAf39/ACUAAABYAAAAAAAAAAAAAAAAAAAAAAAAAAAAAAAAAAAAAAAAAAAAAAAAAAAAAAAAAAAAAAA/AAAAAAAAAKCGAQAAAAAAAAAAAAAAAAAMAAAAAQAAAAAAAAAAAAAAAAAAAB8AAABUAAAARHLEBf///wEAAAAAAAAAAAAAAAAAAAAAAAAAAAAAAAAAAAAAAAAAAAAAAAJ/f38A5+bmA8zMzADAwP8Af39/AAAAAAAAAAAAAAAAAAAAAAAAAAAAIQAAABgAAAAUAAAAKAUAAD8CAADYRQAAZwoAABAAAAAmAAAACAAAAAAAAAAAAAAAMAAAABQAAAAAAAAAAAD//wAAAQAAAP//AAABAA=="/>
               </a:ext>
             </a:extLst>
           </p:cNvSpPr>
@@ -6397,7 +6397,7 @@
             <a:spLocks noGrp="1" noChangeArrowheads="1"/>
             <a:extLst>
               <a:ext uri="smNativeData">
-                <pr:smNativeData xmlns:mc="http://schemas.openxmlformats.org/markup-compatibility/2006" xmlns:p14="http://schemas.microsoft.com/office/powerpoint/2010/main" xmlns:p15="http://schemas.microsoft.com/office/powerpoint/2012/main" xmlns:pr="smNativeData" xmlns="smNativeData" val="SMDATA_16_xzE7ZxMAAAAlAAAAZAAAAA0AAAAAkAAAAEgAAACQAAAASAAAAAAAAAAAAAAAAAAAAAEAAABQAAAAAAAAAAAA4D8AAAAAAADgPwAAAAAAAOA/AAAAAAAA4D8AAAAAAADgPwAAAAAAAOA/AAAAAAAA4D8AAAAAAADgPwAAAAAAAOA/AAAAAAAA4D8CAAAAjAAAAAAAAAAAAAAARHLEDP///wgAAAAAAAAAAAAAAAAAAAAAAAAAAAAAAAAAAAAAZAAAAAEAAABAAAAAAAAAAAAAAAAAAAAAAAAAAAAAAAAAAAAAAAAAAAAAAAAAAAAAAAAAAAAAAAAAAAAAAAAAAAAAAAAAAAAAAAAAAAAAAAAAAAAAAAAAAAAAAAAAAAAAFAAAADwAAAAAAAAAAAAAAAAAAAkUAAAAAQAAABQAAAAUAAAAFAAAAAEAAAAAAAAAZAAAAGQAAAAAAAAAZAAAAGQAAAAVAAAAYAAAAAAAAAAAAAAADwAAACADAAAAAAAAAAAAAAEAAACgMgAAVgcAAKr4//8BAAAAf39/AAEAAABkAAAAAAAAABQAAABAHwAAAAAAACYAAAAAAAAAwOD//wAAAAAmAAAAZAAAABYAAABMAAAAAAAAAAAAAAAEAAAAAAAAAAEAAADn5uYKAAAAACgAAAAoAAAAZAAAAGQAAAAAAAAAzMzMAAAAAABQAAAAUAAAAGQAAABkAAAAAAAAABcAAAAUAAAAAAAAAAAAAAD/fwAA/38AAAAAAAAJAAAABAAAAAAAAAAeAAAAaAAAAAAAAAAAAAAAAAAAAAAAAAAAAAAAECcAABAnAAAAAAAAAAAAAAAAAAAAAAAAAAAAAAAAAAAAAAAAAAAAABQAAAAAAAAAwMD/AAAAAABkAAAAMgAAAAAAAABkAAAAAAAAAH9/fwAKAAAAIgAAABgAAAAAAAAAAAAAAAAAAAAAAAAAAAAAAAAAAAAkAAAAJAAAAAAAAAAHAAAAAAAAAAAAAAAAAAAAAAAAAAAAAAAAAAAAf39/ACUAAABYAAAAAAAAAAAAAAAAAAAAAAAAAAAAAAAAAAAAAAAAAAAAAAAAAAAAAAAAAAAAAAA/AAAAAAAAAKCGAQAAAAAAAAAAAAAAAAAMAAAAAQAAAAAAAAAAAAAAAAAAAB8AAABUAAAARHLEBf///wEAAAAAAAAAAAAAAAAAAAAAAAAAAAAAAAAAAAAAAAAAAAAAAAJ/f38A5+bmA8zMzADAwP8Af39/AAAAAAAAAAAAAAAAAAAAAAAAAAAAIQAAABgAAAAUAAAAKAUAADsLAADYRQAAACYAABAAAAAmAAAACAAAAAAAAAAAAAAAMAAAABQAAAAAAAAAAAD//wAAAQAAAP//AAABAA=="/>
+                <pr:smNativeData xmlns="smNativeData" xmlns:pr="smNativeData" xmlns:p15="http://schemas.microsoft.com/office/powerpoint/2012/main" xmlns:p14="http://schemas.microsoft.com/office/powerpoint/2010/main" xmlns:mc="http://schemas.openxmlformats.org/markup-compatibility/2006" val="SMDATA_16_xzE7ZxMAAAAlAAAAZAAAAA0AAAAAkAAAAEgAAACQAAAASAAAAAAAAAAAAAAAAAAAAAEAAABQAAAAAAAAAAAA4D8AAAAAAADgPwAAAAAAAOA/AAAAAAAA4D8AAAAAAADgPwAAAAAAAOA/AAAAAAAA4D8AAAAAAADgPwAAAAAAAOA/AAAAAAAA4D8CAAAAjAAAAAAAAAAAAAAARHLEDP///wgAAAAAAAAAAAAAAAAAAAAAAAAAAAAAAAAAAAAAZAAAAAEAAABAAAAAAAAAAAAAAAAAAAAAAAAAAAAAAAAAAAAAAAAAAAAAAAAAAAAAAAAAAAAAAAAAAAAAAAAAAAAAAAAAAAAAAAAAAAAAAAAAAAAAAAAAAAAAAAAAAAAAFAAAADwAAAAAAAAAAAAAAAAAAAkUAAAAAQAAABQAAAAUAAAAFAAAAAEAAAAAAAAAZAAAAGQAAAAAAAAAZAAAAGQAAAAVAAAAYAAAAAAAAAAAAAAADwAAACADAAAAAAAAAAAAAAEAAACgMgAAVgcAAKr4//8BAAAAf39/AAEAAABkAAAAAAAAABQAAABAHwAAAAAAACYAAAAAAAAAwOD//wAAAAAmAAAAZAAAABYAAABMAAAAAAAAAAAAAAAEAAAAAAAAAAEAAADn5uYKAAAAACgAAAAoAAAAZAAAAGQAAAAAAAAAzMzMAAAAAABQAAAAUAAAAGQAAABkAAAAAAAAABcAAAAUAAAAAAAAAAAAAAD/fwAA/38AAAAAAAAJAAAABAAAAAAAAAAeAAAAaAAAAAAAAAAAAAAAAAAAAAAAAAAAAAAAECcAABAnAAAAAAAAAAAAAAAAAAAAAAAAAAAAAAAAAAAAAAAAAAAAABQAAAAAAAAAwMD/AAAAAABkAAAAMgAAAAAAAABkAAAAAAAAAH9/fwAKAAAAIgAAABgAAAAAAAAAAAAAAAAAAAAAAAAAAAAAAAAAAAAkAAAAJAAAAAAAAAAHAAAAAAAAAAAAAAAAAAAAAAAAAAAAAAAAAAAAf39/ACUAAABYAAAAAAAAAAAAAAAAAAAAAAAAAAAAAAAAAAAAAAAAAAAAAAAAAAAAAAAAAAAAAAA/AAAAAAAAAKCGAQAAAAAAAAAAAAAAAAAMAAAAAQAAAAAAAAAAAAAAAAAAAB8AAABUAAAARHLEBf///wEAAAAAAAAAAAAAAAAAAAAAAAAAAAAAAAAAAAAAAAAAAAAAAAJ/f38A5+bmA8zMzADAwP8Af39/AAAAAAAAAAAAAAAAAAAAAAAAAAAAIQAAABgAAAAUAAAAKAUAADsLAADYRQAAACYAABAAAAAmAAAACAAAAAAAAAAAAAAAMAAAABQAAAAAAAAAAAD//wAAAQAAAP//AAABAA=="/>
               </a:ext>
             </a:extLst>
           </p:cNvSpPr>
@@ -6424,7 +6424,7 @@
             <a:picLocks noChangeAspect="1"/>
             <a:extLst>
               <a:ext uri="smNativeData">
-                <pr:smNativeData xmlns:mc="http://schemas.openxmlformats.org/markup-compatibility/2006" xmlns:p14="http://schemas.microsoft.com/office/powerpoint/2010/main" xmlns:p15="http://schemas.microsoft.com/office/powerpoint/2012/main" xmlns:pr="smNativeData" xmlns="smNativeData" val="SMDATA_18_xzE7ZxMAAAAlAAAAEQAAAC0AAAAAkAAAAEgAAACQAAAASAAAAAAAAAAAAAAAAAAAAAEAAABQAAAAAAAAAAAA4D8AAAAAAADgPwAAAAAAAOA/AAAAAAAA4D8AAAAAAADgPwAAAAAAAOA/AAAAAAAA4D8AAAAAAADgPwAAAAAAAOA/AAAAAAAA4D8CAAAAjAAAAAAAAAAAAAAARHLEDP///wgAAAAAAAAAAAAAAAAAAAAAAAAAAAAAAAAAAAAAZAAAAAEAAABAAAAAAAAAAAAAAAAAAAAAAAAAAAAAAAAAAAAAAAAAAAAAAAAAAAAAAAAAAAAAAAAAAAAAAAAAAAAAAAAAAAAAAAAAAAAAAAAAAAAAAAAAAAAAAAAAAAAAFAAAADwAAAAAAAAAAAAAAAAAAAkUAAAAAQAAABQAAAAUAAAAFAAAAAEAAAAAAAAAZAAAAGQAAAAAAAAAZAAAAGQAAAAVAAAAYAAAAAAAAAAAAAAADwAAACADAAAAAAAAAAAAAAEAAACgMgAAVgcAAKr4//8BAAAAf39/AAEAAABkAAAAAAAAABQAAABAHwAAAAAAACYAAAAAAAAAwOD//wAAAAAmAAAAZAAAABYAAABMAAAAAAAAAAAAAAAEAAAAAAAAAAEAAADn5uYKAAAAACgAAAAoAAAAZAAAAGQAAAAAAAAAzMzMAAAAAABQAAAAUAAAAGQAAABkAAAAAAAAAAcAAAA4AAAAAAAAAAAAAAAAAAAA////AAAAAAAAAAAAAAAAAAAAAAAAAAAAAAAAAAAAAABkAAAAZAAAAAAAAAAjAAAABAAAAGQAAAAXAAAAFAAAAAAAAAAAAAAA/38AAP9/AAAAAAAACQAAAAQAAAD/////HgAAAGgAAAAAAAAAAAAAAAAAAAAAAAAAAAAAABAnAAAQJwAAAAAAAAAAAAAAAAAAAAAAAAAAAAAAAAAAAAAAAAAAAAAUAAAAAAAAAMDA/wAAAAAAZAAAADIAAAAAAAAAZAAAAAAAAAB/f38ACgAAACIAAAAYAAAAAAAAAAAAAAAAAAAAAAAAAAAAAAAAAAAAJAAAACQAAAAAAAAABwAAAAAAAAAAAAAAAAAAAAAAAAAAAAAAAAAAAH9/fwAlAAAAWAAAAAAAAAAAAAAAAAAAAAAAAAAAAAAAAAAAAAAAAAAAAAAAAAAAAAAAAAAAAAAAPwAAAAAAAACghgEAAAAAAAAAAAAAAAAADAAAAAEAAAAAAAAAAAAAAAAAAAAfAAAAVAAAAERyxAX///8BAAAAAAAAAAAAAAAAAAAAAAAAAAAAAAAAAAAAAAAAAAAAAAACf39/AOfm5gPMzMwAwMD/AH9/fwAAAAAAAAAAAAAAAAD///8AAAAAACEAAAAYAAAAFAAAAPMrAAAYFQAAw0YAANQmAAAQAAAAJgAAAAgAAAD//////////zAAAAAUAAAAAAAAAAAA//8AAAEAAAD//wAAAQA="/>
+                <pr:smNativeData xmlns="smNativeData" xmlns:pr="smNativeData" xmlns:p15="http://schemas.microsoft.com/office/powerpoint/2012/main" xmlns:p14="http://schemas.microsoft.com/office/powerpoint/2010/main" xmlns:mc="http://schemas.openxmlformats.org/markup-compatibility/2006" val="SMDATA_18_xzE7ZxMAAAAlAAAAEQAAAC0AAAAAkAAAAEgAAACQAAAASAAAAAAAAAAAAAAAAAAAAAEAAABQAAAAAAAAAAAA4D8AAAAAAADgPwAAAAAAAOA/AAAAAAAA4D8AAAAAAADgPwAAAAAAAOA/AAAAAAAA4D8AAAAAAADgPwAAAAAAAOA/AAAAAAAA4D8CAAAAjAAAAAAAAAAAAAAARHLEDP///wgAAAAAAAAAAAAAAAAAAAAAAAAAAAAAAAAAAAAAZAAAAAEAAABAAAAAAAAAAAAAAAAAAAAAAAAAAAAAAAAAAAAAAAAAAAAAAAAAAAAAAAAAAAAAAAAAAAAAAAAAAAAAAAAAAAAAAAAAAAAAAAAAAAAAAAAAAAAAAAAAAAAAFAAAADwAAAAAAAAAAAAAAAAAAAkUAAAAAQAAABQAAAAUAAAAFAAAAAEAAAAAAAAAZAAAAGQAAAAAAAAAZAAAAGQAAAAVAAAAYAAAAAAAAAAAAAAADwAAACADAAAAAAAAAAAAAAEAAACgMgAAVgcAAKr4//8BAAAAf39/AAEAAABkAAAAAAAAABQAAABAHwAAAAAAACYAAAAAAAAAwOD//wAAAAAmAAAAZAAAABYAAABMAAAAAAAAAAAAAAAEAAAAAAAAAAEAAADn5uYKAAAAACgAAAAoAAAAZAAAAGQAAAAAAAAAzMzMAAAAAABQAAAAUAAAAGQAAABkAAAAAAAAAAcAAAA4AAAAAAAAAAAAAAAAAAAA////AAAAAAAAAAAAAAAAAAAAAAAAAAAAAAAAAAAAAABkAAAAZAAAAAAAAAAjAAAABAAAAGQAAAAXAAAAFAAAAAAAAAAAAAAA/38AAP9/AAAAAAAACQAAAAQAAAD/////HgAAAGgAAAAAAAAAAAAAAAAAAAAAAAAAAAAAABAnAAAQJwAAAAAAAAAAAAAAAAAAAAAAAAAAAAAAAAAAAAAAAAAAAAAUAAAAAAAAAMDA/wAAAAAAZAAAADIAAAAAAAAAZAAAAAAAAAB/f38ACgAAACIAAAAYAAAAAAAAAAAAAAAAAAAAAAAAAAAAAAAAAAAAJAAAACQAAAAAAAAABwAAAAAAAAAAAAAAAAAAAAAAAAAAAAAAAAAAAH9/fwAlAAAAWAAAAAAAAAAAAAAAAAAAAAAAAAAAAAAAAAAAAAAAAAAAAAAAAAAAAAAAAAAAAAAAPwAAAAAAAACghgEAAAAAAAAAAAAAAAAADAAAAAEAAAAAAAAAAAAAAAAAAAAfAAAAVAAAAERyxAX///8BAAAAAAAAAAAAAAAAAAAAAAAAAAAAAAAAAAAAAAAAAAAAAAACf39/AOfm5gPMzMwAwMD/AH9/fwAAAAAAAAAAAAAAAAD///8AAAAAACEAAAAYAAAAFAAAAPMrAAAYFQAAw0YAANQmAAAQAAAAJgAAAAgAAAD//////////zAAAAAUAAAAAAAAAAAA//8AAAEAAAD//wAAAQA="/>
               </a:ext>
             </a:extLst>
           </p:cNvPicPr>
@@ -6458,7 +6458,7 @@
             <a:picLocks noChangeAspect="1"/>
             <a:extLst>
               <a:ext uri="smNativeData">
-                <pr:smNativeData xmlns:mc="http://schemas.openxmlformats.org/markup-compatibility/2006" xmlns:p14="http://schemas.microsoft.com/office/powerpoint/2010/main" xmlns:p15="http://schemas.microsoft.com/office/powerpoint/2012/main" xmlns:pr="smNativeData" xmlns="smNativeData" val="SMDATA_18_xzE7ZxMAAAAlAAAAEQAAAC0AAAAAkAAAAEgAAACQAAAASAAAAAAAAAAAAAAAAAAAAAEAAABQAAAAAAAAAAAA4D8AAAAAAADgPwAAAAAAAOA/AAAAAAAA4D8AAAAAAADgPwAAAAAAAOA/AAAAAAAA4D8AAAAAAADgPwAAAAAAAOA/AAAAAAAA4D8CAAAAjAAAAAAAAAAAAAAARHLEDP///wgAAAAAAAAAAAAAAAAAAAAAAAAAAAAAAAAAAAAAZAAAAAEAAABAAAAAAAAAAAAAAAAAAAAAAAAAAAAAAAAAAAAAAAAAAAAAAAAAAAAAAAAAAAAAAAAAAAAAAAAAAAAAAAAAAAAAAAAAAAAAAAAAAAAAAAAAAAAAAAAAAAAAFAAAADwAAAAAAAAAAAAAAAAAAAkUAAAAAQAAABQAAAAUAAAAFAAAAAEAAAAAAAAAZAAAAGQAAAAAAAAAZAAAAGQAAAAVAAAAYAAAAAAAAAAAAAAADwAAACADAAAAAAAAAAAAAAEAAACgMgAAVgcAAKr4//8BAAAAf39/AAEAAABkAAAAAAAAABQAAABAHwAAAAAAACYAAAAAAAAAwOD//wAAAAAmAAAAZAAAABYAAABMAAAAAAAAAAAAAAAEAAAAAAAAAAEAAADn5uYKAAAAACgAAAAoAAAAZAAAAGQAAAAAAAAAzMzMAAAAAABQAAAAUAAAAGQAAABkAAAAAAAAAAcAAAA4AAAAAAAAAAAAAAAAAAAA////AAAAAAAAAAAAAAAAAAAAAAAAAAAAAAAAAAAAAABkAAAAZAAAAAAAAAAjAAAABAAAAGQAAAAXAAAAFAAAAAAAAAAAAAAA/38AAP9/AAAAAAAACQAAAAQAAAD/////HgAAAGgAAAAAAAAAAAAAAAAAAAAAAAAAAAAAABAnAAAQJwAAAAAAAAAAAAAAAAAAAAAAAAAAAAAAAAAAAAAAAAAAAAAUAAAAAAAAAMDA/wAAAAAAZAAAADIAAAAAAAAAZAAAAAAAAAB/f38ACgAAACIAAAAYAAAAAAAAAAAAAAAAAAAAAAAAAAAAAAAAAAAAJAAAACQAAAAAAAAABwAAAAAAAAAAAAAAAAAAAAAAAAAAAAAAAAAAAH9/fwAlAAAAWAAAAAAAAAAAAAAAAAAAAAAAAAAAAAAAAAAAAAAAAAAAAAAAAAAAAAAAAAAAAAAAPwAAAAAAAACghgEAAAAAAAAAAAAAAAAADAAAAAEAAAAAAAAAAAAAAAAAAAAfAAAAVAAAAERyxAX///8BAAAAAAAAAAAAAAAAAAAAAAAAAAAAAAAAAAAAAAAAAAAAAAACf39/AOfm5gPMzMwAwMD/AH9/fwAAAAAAAAAAAAAAAAD///8AAAAAACEAAAAYAAAAFAAAAEkCAACQDwAAMygAAAMpAAAQAAAAJgAAAAgAAAD//////////zAAAAAUAAAAAAAAAAAA//8AAAEAAAD//wAAAQA="/>
+                <pr:smNativeData xmlns="smNativeData" xmlns:pr="smNativeData" xmlns:p15="http://schemas.microsoft.com/office/powerpoint/2012/main" xmlns:p14="http://schemas.microsoft.com/office/powerpoint/2010/main" xmlns:mc="http://schemas.openxmlformats.org/markup-compatibility/2006" val="SMDATA_18_xzE7ZxMAAAAlAAAAEQAAAC0AAAAAkAAAAEgAAACQAAAASAAAAAAAAAAAAAAAAAAAAAEAAABQAAAAAAAAAAAA4D8AAAAAAADgPwAAAAAAAOA/AAAAAAAA4D8AAAAAAADgPwAAAAAAAOA/AAAAAAAA4D8AAAAAAADgPwAAAAAAAOA/AAAAAAAA4D8CAAAAjAAAAAAAAAAAAAAARHLEDP///wgAAAAAAAAAAAAAAAAAAAAAAAAAAAAAAAAAAAAAZAAAAAEAAABAAAAAAAAAAAAAAAAAAAAAAAAAAAAAAAAAAAAAAAAAAAAAAAAAAAAAAAAAAAAAAAAAAAAAAAAAAAAAAAAAAAAAAAAAAAAAAAAAAAAAAAAAAAAAAAAAAAAAFAAAADwAAAAAAAAAAAAAAAAAAAkUAAAAAQAAABQAAAAUAAAAFAAAAAEAAAAAAAAAZAAAAGQAAAAAAAAAZAAAAGQAAAAVAAAAYAAAAAAAAAAAAAAADwAAACADAAAAAAAAAAAAAAEAAACgMgAAVgcAAKr4//8BAAAAf39/AAEAAABkAAAAAAAAABQAAABAHwAAAAAAACYAAAAAAAAAwOD//wAAAAAmAAAAZAAAABYAAABMAAAAAAAAAAAAAAAEAAAAAAAAAAEAAADn5uYKAAAAACgAAAAoAAAAZAAAAGQAAAAAAAAAzMzMAAAAAABQAAAAUAAAAGQAAABkAAAAAAAAAAcAAAA4AAAAAAAAAAAAAAAAAAAA////AAAAAAAAAAAAAAAAAAAAAAAAAAAAAAAAAAAAAABkAAAAZAAAAAAAAAAjAAAABAAAAGQAAAAXAAAAFAAAAAAAAAAAAAAA/38AAP9/AAAAAAAACQAAAAQAAAD/////HgAAAGgAAAAAAAAAAAAAAAAAAAAAAAAAAAAAABAnAAAQJwAAAAAAAAAAAAAAAAAAAAAAAAAAAAAAAAAAAAAAAAAAAAAUAAAAAAAAAMDA/wAAAAAAZAAAADIAAAAAAAAAZAAAAAAAAAB/f38ACgAAACIAAAAYAAAAAAAAAAAAAAAAAAAAAAAAAAAAAAAAAAAAJAAAACQAAAAAAAAABwAAAAAAAAAAAAAAAAAAAAAAAAAAAAAAAAAAAH9/fwAlAAAAWAAAAAAAAAAAAAAAAAAAAAAAAAAAAAAAAAAAAAAAAAAAAAAAAAAAAAAAAAAAAAAAPwAAAAAAAACghgEAAAAAAAAAAAAAAAAADAAAAAEAAAAAAAAAAAAAAAAAAAAfAAAAVAAAAERyxAX///8BAAAAAAAAAAAAAAAAAAAAAAAAAAAAAAAAAAAAAAAAAAAAAAACf39/AOfm5gPMzMwAwMD/AH9/fwAAAAAAAAAAAAAAAAD///8AAAAAACEAAAAYAAAAFAAAAEkCAACQDwAAMygAAAMpAAAQAAAAJgAAAAgAAAD//////////zAAAAAUAAAAAAAAAAAA//8AAAEAAAD//wAAAQA="/>
               </a:ext>
             </a:extLst>
           </p:cNvPicPr>
@@ -6524,7 +6524,7 @@
             <a:spLocks noGrp="1" noChangeArrowheads="1"/>
             <a:extLst>
               <a:ext uri="smNativeData">
-                <pr:smNativeData xmlns:mc="http://schemas.openxmlformats.org/markup-compatibility/2006" xmlns:p14="http://schemas.microsoft.com/office/powerpoint/2010/main" xmlns:p15="http://schemas.microsoft.com/office/powerpoint/2012/main" xmlns:pr="smNativeData" xmlns="smNativeData" val="SMDATA_16_xzE7ZxMAAAAlAAAAZAAAAA0AAAAAkAAAAEgAAACQAAAASAAAAAAAAAABAAAAAAAAAAEAAABQAAAAAAAAAAAA4D8AAAAAAADgPwAAAAAAAOA/AAAAAAAA4D8AAAAAAADgPwAAAAAAAOA/AAAAAAAA4D8AAAAAAADgPwAAAAAAAOA/AAAAAAAA4D8CAAAAjAAAAAAAAAAAAAAARHLEDP///wgAAAAAAAAAAAAAAAAAAAAAAAAAAAAAAAAAAAAAZAAAAAEAAABAAAAAAAAAAAAAAAAAAAAAAAAAAAAAAAAAAAAAAAAAAAAAAAAAAAAAAAAAAAAAAAAAAAAAAAAAAAAAAAAAAAAAAAAAAAAAAAAAAAAAAAAAAAAAAAAAAAAAFAAAADwAAAAAAAAAAAAAAAAAAAkUAAAAAQAAABQAAAAUAAAAFAAAAAEAAAAAAAAAZAAAAGQAAAAAAAAAZAAAAGQAAAAVAAAAYAAAAAAAAAAAAAAADwAAACADAAAAAAAAAAAAAAEAAACgMgAAVgcAAKr4//8BAAAAf39/AAEAAABkAAAAAAAAABQAAABAHwAAAAAAACYAAAAAAAAAwOD//wAAAAAmAAAAZAAAABYAAABMAAAAAAAAAAAAAAAEAAAAAAAAAAEAAADn5uYKAAAAACgAAAAoAAAAZAAAAGQAAAAAAAAAzMzMAAAAAABQAAAAUAAAAGQAAABkAAAAAAAAABcAAAAUAAAAAAAAAAAAAAD/fwAA/38AAAAAAAAJAAAABAAAAAAAAAAeAAAAaAAAAAAAAAAAAAAAAAAAAAAAAAAAAAAAECcAABAnAAAAAAAAAAAAAAAAAAAAAAAAAAAAAAAAAAAAAAAAAAAAABQAAAAAAAAAwMD/AAAAAABkAAAAMgAAAAAAAABkAAAAAAAAAH9/fwAKAAAAIgAAABgAAAAAAAAAAAAAAAAAAAAAAAAAAAAAAAAAAAAkAAAAJAAAAAAAAAAHAAAAAAAAAAAAAAAAAAAAAAAAAAAAAAAAAAAAf39/ACUAAABYAAAAAAAAAAAAAAAAAAAAAAAAAAAAAAAAAAAAAAAAAAAAAAAAAAAAAAAAAAAAAAA/AAAAAAAAAKCGAQAAAAAAAAAAAAAAAAAMAAAAAQAAAAAAAAAAAAAAAAAAAB8AAABUAAAARHLEBf///wEAAAAAAAAAAAAAAAAAAAAAAAAAAAAAAAAAAAAAAAAAAAAAAAJ/f38A5+bmA8zMzADAwP8Af39/AAAAAAAAAAAAAAAAAAAAAAAAAAAAIQAAABgAAAAUAAAAKAUAAD8CAADYRQAAZwoAABAAAAAmAAAACAAAAAAAAAAAAAAAMAAAABQAAAAAAAAAAAD//wAAAQAAAP//AAABAA=="/>
+                <pr:smNativeData xmlns="smNativeData" xmlns:pr="smNativeData" xmlns:p15="http://schemas.microsoft.com/office/powerpoint/2012/main" xmlns:p14="http://schemas.microsoft.com/office/powerpoint/2010/main" xmlns:mc="http://schemas.openxmlformats.org/markup-compatibility/2006" val="SMDATA_16_xzE7ZxMAAAAlAAAAZAAAAA0AAAAAkAAAAEgAAACQAAAASAAAAAAAAAABAAAAAAAAAAEAAABQAAAAAAAAAAAA4D8AAAAAAADgPwAAAAAAAOA/AAAAAAAA4D8AAAAAAADgPwAAAAAAAOA/AAAAAAAA4D8AAAAAAADgPwAAAAAAAOA/AAAAAAAA4D8CAAAAjAAAAAAAAAAAAAAARHLEDP///wgAAAAAAAAAAAAAAAAAAAAAAAAAAAAAAAAAAAAAZAAAAAEAAABAAAAAAAAAAAAAAAAAAAAAAAAAAAAAAAAAAAAAAAAAAAAAAAAAAAAAAAAAAAAAAAAAAAAAAAAAAAAAAAAAAAAAAAAAAAAAAAAAAAAAAAAAAAAAAAAAAAAAFAAAADwAAAAAAAAAAAAAAAAAAAkUAAAAAQAAABQAAAAUAAAAFAAAAAEAAAAAAAAAZAAAAGQAAAAAAAAAZAAAAGQAAAAVAAAAYAAAAAAAAAAAAAAADwAAACADAAAAAAAAAAAAAAEAAACgMgAAVgcAAKr4//8BAAAAf39/AAEAAABkAAAAAAAAABQAAABAHwAAAAAAACYAAAAAAAAAwOD//wAAAAAmAAAAZAAAABYAAABMAAAAAAAAAAAAAAAEAAAAAAAAAAEAAADn5uYKAAAAACgAAAAoAAAAZAAAAGQAAAAAAAAAzMzMAAAAAABQAAAAUAAAAGQAAABkAAAAAAAAABcAAAAUAAAAAAAAAAAAAAD/fwAA/38AAAAAAAAJAAAABAAAAAAAAAAeAAAAaAAAAAAAAAAAAAAAAAAAAAAAAAAAAAAAECcAABAnAAAAAAAAAAAAAAAAAAAAAAAAAAAAAAAAAAAAAAAAAAAAABQAAAAAAAAAwMD/AAAAAABkAAAAMgAAAAAAAABkAAAAAAAAAH9/fwAKAAAAIgAAABgAAAAAAAAAAAAAAAAAAAAAAAAAAAAAAAAAAAAkAAAAJAAAAAAAAAAHAAAAAAAAAAAAAAAAAAAAAAAAAAAAAAAAAAAAf39/ACUAAABYAAAAAAAAAAAAAAAAAAAAAAAAAAAAAAAAAAAAAAAAAAAAAAAAAAAAAAAAAAAAAAA/AAAAAAAAAKCGAQAAAAAAAAAAAAAAAAAMAAAAAQAAAAAAAAAAAAAAAAAAAB8AAABUAAAARHLEBf///wEAAAAAAAAAAAAAAAAAAAAAAAAAAAAAAAAAAAAAAAAAAAAAAAJ/f38A5+bmA8zMzADAwP8Af39/AAAAAAAAAAAAAAAAAAAAAAAAAAAAIQAAABgAAAAUAAAAKAUAAD8CAADYRQAAZwoAABAAAAAmAAAACAAAAAAAAAAAAAAAMAAAABQAAAAAAAAAAAD//wAAAQAAAP//AAABAA=="/>
               </a:ext>
             </a:extLst>
           </p:cNvSpPr>
@@ -6551,7 +6551,7 @@
             <a:spLocks noGrp="1" noChangeArrowheads="1"/>
             <a:extLst>
               <a:ext uri="smNativeData">
-                <pr:smNativeData xmlns:mc="http://schemas.openxmlformats.org/markup-compatibility/2006" xmlns:p14="http://schemas.microsoft.com/office/powerpoint/2010/main" xmlns:p15="http://schemas.microsoft.com/office/powerpoint/2012/main" xmlns:pr="smNativeData" xmlns="smNativeData" val="SMDATA_16_xzE7ZxMAAAAlAAAAZAAAAA0AAAAAkAAAAEgAAACQAAAASAAAAAAAAAAAAAAAAAAAAAEAAABQAAAAAAAAAAAA4D8AAAAAAADgPwAAAAAAAOA/AAAAAAAA4D8AAAAAAADgPwAAAAAAAOA/AAAAAAAA4D8AAAAAAADgPwAAAAAAAOA/AAAAAAAA4D8CAAAAjAAAAAAAAAAAAAAARHLEDP///wgAAAAAAAAAAAAAAAAAAAAAAAAAAAAAAAAAAAAAZAAAAAEAAABAAAAAAAAAAAAAAAAAAAAAAAAAAAAAAAAAAAAAAAAAAAAAAAAAAAAAAAAAAAAAAAAAAAAAAAAAAAAAAAAAAAAAAAAAAAAAAAAAAAAAAAAAAAAAAAAAAAAAFAAAADwAAAAAAAAAAAAAAAAAAAkUAAAAAQAAABQAAAAUAAAAFAAAAAEAAAAAAAAAZAAAAGQAAAAAAAAAZAAAAGQAAAAVAAAAYAAAAAAAAAAAAAAADwAAACADAAAAAAAAAAAAAAEAAACgMgAAVgcAAKr4//8BAAAAf39/AAEAAABkAAAAAAAAABQAAABAHwAAAAAAACYAAAAAAAAAwOD//wAAAAAmAAAAZAAAABYAAABMAAAAAAAAAAAAAAAEAAAAAAAAAAEAAADn5uYKAAAAACgAAAAoAAAAZAAAAGQAAAAAAAAAzMzMAAAAAABQAAAAUAAAAGQAAABkAAAAAAAAABcAAAAUAAAAAAAAAAAAAAD/fwAA/38AAAAAAAAJAAAABAAAAAAAAAAeAAAAaAAAAAAAAAAAAAAAAAAAAAAAAAAAAAAAECcAABAnAAAAAAAAAAAAAAAAAAAAAAAAAAAAAAAAAAAAAAAAAAAAABQAAAAAAAAAwMD/AAAAAABkAAAAMgAAAAAAAABkAAAAAAAAAH9/fwAKAAAAIgAAABgAAAAAAAAAAAAAAAAAAAAAAAAAAAAAAAAAAAAkAAAAJAAAAAAAAAAHAAAAAAAAAAAAAAAAAAAAAAAAAAAAAAAAAAAAf39/ACUAAABYAAAAAAAAAAAAAAAAAAAAAAAAAAAAAAAAAAAAAAAAAAAAAAAAAAAAAAAAAAAAAAA/AAAAAAAAAKCGAQAAAAAAAAAAAAAAAAAMAAAAAQAAAAAAAAAAAAAAAAAAAB8AAABUAAAARHLEBf///wEAAAAAAAAAAAAAAAAAAAAAAAAAAAAAAAAAAAAAAAAAAAAAAAJ/f38A5+bmA8zMzADAwP8Af39/AAAAAAAAAAAAAAAAAAAAAAAAAAAAIQAAABgAAAAUAAAAKAUAADsLAADYRQAAACYAABAAAAAmAAAACAAAAAAAAAAAAAAAMAAAABQAAAAAAAAAAAD//wAAAQAAAP//AAABAA=="/>
+                <pr:smNativeData xmlns="smNativeData" xmlns:pr="smNativeData" xmlns:p15="http://schemas.microsoft.com/office/powerpoint/2012/main" xmlns:p14="http://schemas.microsoft.com/office/powerpoint/2010/main" xmlns:mc="http://schemas.openxmlformats.org/markup-compatibility/2006" val="SMDATA_16_xzE7ZxMAAAAlAAAAZAAAAA0AAAAAkAAAAEgAAACQAAAASAAAAAAAAAAAAAAAAAAAAAEAAABQAAAAAAAAAAAA4D8AAAAAAADgPwAAAAAAAOA/AAAAAAAA4D8AAAAAAADgPwAAAAAAAOA/AAAAAAAA4D8AAAAAAADgPwAAAAAAAOA/AAAAAAAA4D8CAAAAjAAAAAAAAAAAAAAARHLEDP///wgAAAAAAAAAAAAAAAAAAAAAAAAAAAAAAAAAAAAAZAAAAAEAAABAAAAAAAAAAAAAAAAAAAAAAAAAAAAAAAAAAAAAAAAAAAAAAAAAAAAAAAAAAAAAAAAAAAAAAAAAAAAAAAAAAAAAAAAAAAAAAAAAAAAAAAAAAAAAAAAAAAAAFAAAADwAAAAAAAAAAAAAAAAAAAkUAAAAAQAAABQAAAAUAAAAFAAAAAEAAAAAAAAAZAAAAGQAAAAAAAAAZAAAAGQAAAAVAAAAYAAAAAAAAAAAAAAADwAAACADAAAAAAAAAAAAAAEAAACgMgAAVgcAAKr4//8BAAAAf39/AAEAAABkAAAAAAAAABQAAABAHwAAAAAAACYAAAAAAAAAwOD//wAAAAAmAAAAZAAAABYAAABMAAAAAAAAAAAAAAAEAAAAAAAAAAEAAADn5uYKAAAAACgAAAAoAAAAZAAAAGQAAAAAAAAAzMzMAAAAAABQAAAAUAAAAGQAAABkAAAAAAAAABcAAAAUAAAAAAAAAAAAAAD/fwAA/38AAAAAAAAJAAAABAAAAAAAAAAeAAAAaAAAAAAAAAAAAAAAAAAAAAAAAAAAAAAAECcAABAnAAAAAAAAAAAAAAAAAAAAAAAAAAAAAAAAAAAAAAAAAAAAABQAAAAAAAAAwMD/AAAAAABkAAAAMgAAAAAAAABkAAAAAAAAAH9/fwAKAAAAIgAAABgAAAAAAAAAAAAAAAAAAAAAAAAAAAAAAAAAAAAkAAAAJAAAAAAAAAAHAAAAAAAAAAAAAAAAAAAAAAAAAAAAAAAAAAAAf39/ACUAAABYAAAAAAAAAAAAAAAAAAAAAAAAAAAAAAAAAAAAAAAAAAAAAAAAAAAAAAAAAAAAAAA/AAAAAAAAAKCGAQAAAAAAAAAAAAAAAAAMAAAAAQAAAAAAAAAAAAAAAAAAAB8AAABUAAAARHLEBf///wEAAAAAAAAAAAAAAAAAAAAAAAAAAAAAAAAAAAAAAAAAAAAAAAJ/f38A5+bmA8zMzADAwP8Af39/AAAAAAAAAAAAAAAAAAAAAAAAAAAAIQAAABgAAAAUAAAAKAUAADsLAADYRQAAACYAABAAAAAmAAAACAAAAAAAAAAAAAAAMAAAABQAAAAAAAAAAAD//wAAAQAAAP//AAABAA=="/>
               </a:ext>
             </a:extLst>
           </p:cNvSpPr>
@@ -6658,7 +6658,7 @@
             <a:spLocks noGrp="1" noChangeArrowheads="1"/>
             <a:extLst>
               <a:ext uri="smNativeData">
-                <pr:smNativeData xmlns:mc="http://schemas.openxmlformats.org/markup-compatibility/2006" xmlns:p14="http://schemas.microsoft.com/office/powerpoint/2010/main" xmlns:p15="http://schemas.microsoft.com/office/powerpoint/2012/main" xmlns:pr="smNativeData" xmlns="smNativeData" val="SMDATA_16_xzE7ZxMAAAAlAAAAZAAAAA0AAAAAkAAAAEgAAACQAAAASAAAAAAAAAABAAAAAAAAAAEAAABQAAAAAAAAAAAA4D8AAAAAAADgPwAAAAAAAOA/AAAAAAAA4D8AAAAAAADgPwAAAAAAAOA/AAAAAAAA4D8AAAAAAADgPwAAAAAAAOA/AAAAAAAA4D8CAAAAjAAAAAAAAAAAAAAARHLEDP///wgAAAAAAAAAAAAAAAAAAAAAAAAAAAAAAAAAAAAAZAAAAAEAAABAAAAAAAAAAAAAAAAAAAAAAAAAAAAAAAAAAAAAAAAAAAAAAAAAAAAAAAAAAAAAAAAAAAAAAAAAAAAAAAAAAAAAAAAAAAAAAAAAAAAAAAAAAAAAAAAAAAAAFAAAADwAAAAAAAAAAAAAAAAAAAkUAAAAAQAAABQAAAAUAAAAFAAAAAEAAAAAAAAAZAAAAGQAAAAAAAAAZAAAAGQAAAAVAAAAYAAAAAAAAAAAAAAADwAAACADAAAAAAAAAAAAAAEAAACgMgAAVgcAAKr4//8BAAAAf39/AAEAAABkAAAAAAAAABQAAABAHwAAAAAAACYAAAAAAAAAwOD//wAAAAAmAAAAZAAAABYAAABMAAAAAAAAAAAAAAAEAAAAAAAAAAEAAADn5uYKAAAAACgAAAAoAAAAZAAAAGQAAAAAAAAAzMzMAAAAAABQAAAAUAAAAGQAAABkAAAAAAAAABcAAAAUAAAAAAAAAAAAAAD/fwAA/38AAAAAAAAJAAAABAAAAAAAAAAeAAAAaAAAAAAAAAAAAAAAAAAAAAAAAAAAAAAAECcAABAnAAAAAAAAAAAAAAAAAAAAAAAAAAAAAAAAAAAAAAAAAAAAABQAAAAAAAAAwMD/AAAAAABkAAAAMgAAAAAAAABkAAAAAAAAAH9/fwAKAAAAIgAAABgAAAAAAAAAAAAAAAAAAAAAAAAAAAAAAAAAAAAkAAAAJAAAAAAAAAAHAAAAAAAAAAAAAAAAAAAAAAAAAAAAAAAAAAAAf39/ACUAAABYAAAAAAAAAAAAAAAAAAAAAAAAAAAAAAAAAAAAAAAAAAAAAAAAAAAAAAAAAAAAAAA/AAAAAAAAAKCGAQAAAAAAAAAAAAAAAAAMAAAAAQAAAAAAAAAAAAAAAAAAAB8AAABUAAAARHLEBf///wEAAAAAAAAAAAAAAAAAAAAAAAAAAAAAAAAAAAAAAAAAAAAAAAJ/f38A5+bmA8zMzADAwP8Af39/AAAAAAAAAAAAAAAAAAAAAAAAAAAAIQAAABgAAAAUAAAAKAUAAD8CAADYRQAAZwoAABAAAAAmAAAACAAAAAAAAAAAAAAAMAAAABQAAAAAAAAAAAD//wAAAQAAAP//AAABAA=="/>
+                <pr:smNativeData xmlns="smNativeData" xmlns:pr="smNativeData" xmlns:p15="http://schemas.microsoft.com/office/powerpoint/2012/main" xmlns:p14="http://schemas.microsoft.com/office/powerpoint/2010/main" xmlns:mc="http://schemas.openxmlformats.org/markup-compatibility/2006" val="SMDATA_16_xzE7ZxMAAAAlAAAAZAAAAA0AAAAAkAAAAEgAAACQAAAASAAAAAAAAAABAAAAAAAAAAEAAABQAAAAAAAAAAAA4D8AAAAAAADgPwAAAAAAAOA/AAAAAAAA4D8AAAAAAADgPwAAAAAAAOA/AAAAAAAA4D8AAAAAAADgPwAAAAAAAOA/AAAAAAAA4D8CAAAAjAAAAAAAAAAAAAAARHLEDP///wgAAAAAAAAAAAAAAAAAAAAAAAAAAAAAAAAAAAAAZAAAAAEAAABAAAAAAAAAAAAAAAAAAAAAAAAAAAAAAAAAAAAAAAAAAAAAAAAAAAAAAAAAAAAAAAAAAAAAAAAAAAAAAAAAAAAAAAAAAAAAAAAAAAAAAAAAAAAAAAAAAAAAFAAAADwAAAAAAAAAAAAAAAAAAAkUAAAAAQAAABQAAAAUAAAAFAAAAAEAAAAAAAAAZAAAAGQAAAAAAAAAZAAAAGQAAAAVAAAAYAAAAAAAAAAAAAAADwAAACADAAAAAAAAAAAAAAEAAACgMgAAVgcAAKr4//8BAAAAf39/AAEAAABkAAAAAAAAABQAAABAHwAAAAAAACYAAAAAAAAAwOD//wAAAAAmAAAAZAAAABYAAABMAAAAAAAAAAAAAAAEAAAAAAAAAAEAAADn5uYKAAAAACgAAAAoAAAAZAAAAGQAAAAAAAAAzMzMAAAAAABQAAAAUAAAAGQAAABkAAAAAAAAABcAAAAUAAAAAAAAAAAAAAD/fwAA/38AAAAAAAAJAAAABAAAAAAAAAAeAAAAaAAAAAAAAAAAAAAAAAAAAAAAAAAAAAAAECcAABAnAAAAAAAAAAAAAAAAAAAAAAAAAAAAAAAAAAAAAAAAAAAAABQAAAAAAAAAwMD/AAAAAABkAAAAMgAAAAAAAABkAAAAAAAAAH9/fwAKAAAAIgAAABgAAAAAAAAAAAAAAAAAAAAAAAAAAAAAAAAAAAAkAAAAJAAAAAAAAAAHAAAAAAAAAAAAAAAAAAAAAAAAAAAAAAAAAAAAf39/ACUAAABYAAAAAAAAAAAAAAAAAAAAAAAAAAAAAAAAAAAAAAAAAAAAAAAAAAAAAAAAAAAAAAA/AAAAAAAAAKCGAQAAAAAAAAAAAAAAAAAMAAAAAQAAAAAAAAAAAAAAAAAAAB8AAABUAAAARHLEBf///wEAAAAAAAAAAAAAAAAAAAAAAAAAAAAAAAAAAAAAAAAAAAAAAAJ/f38A5+bmA8zMzADAwP8Af39/AAAAAAAAAAAAAAAAAAAAAAAAAAAAIQAAABgAAAAUAAAAKAUAAD8CAADYRQAAZwoAABAAAAAmAAAACAAAAAAAAAAAAAAAMAAAABQAAAAAAAAAAAD//wAAAQAAAP//AAABAA=="/>
               </a:ext>
             </a:extLst>
           </p:cNvSpPr>
@@ -6685,7 +6685,7 @@
             <a:spLocks noGrp="1" noChangeArrowheads="1"/>
             <a:extLst>
               <a:ext uri="smNativeData">
-                <pr:smNativeData xmlns:mc="http://schemas.openxmlformats.org/markup-compatibility/2006" xmlns:p14="http://schemas.microsoft.com/office/powerpoint/2010/main" xmlns:p15="http://schemas.microsoft.com/office/powerpoint/2012/main" xmlns:pr="smNativeData" xmlns="smNativeData" val="SMDATA_16_xzE7ZxMAAAAlAAAAZAAAAA0AAAAAkAAAAEgAAACQAAAASAAAAAAAAAAAAAAAAAAAAAEAAABQAAAAAAAAAAAA4D8AAAAAAADgPwAAAAAAAOA/AAAAAAAA4D8AAAAAAADgPwAAAAAAAOA/AAAAAAAA4D8AAAAAAADgPwAAAAAAAOA/AAAAAAAA4D8CAAAAjAAAAAAAAAAAAAAARHLEDP///wgAAAAAAAAAAAAAAAAAAAAAAAAAAAAAAAAAAAAAZAAAAAEAAABAAAAAAAAAAAAAAAAAAAAAAAAAAAAAAAAAAAAAAAAAAAAAAAAAAAAAAAAAAAAAAAAAAAAAAAAAAAAAAAAAAAAAAAAAAAAAAAAAAAAAAAAAAAAAAAAAAAAAFAAAADwAAAAAAAAAAAAAAAAAAAkUAAAAAQAAABQAAAAUAAAAFAAAAAEAAAAAAAAAZAAAAGQAAAAAAAAAZAAAAGQAAAAVAAAAYAAAAAAAAAAAAAAADwAAACADAAAAAAAAAAAAAAEAAACgMgAAVgcAAKr4//8BAAAAf39/AAEAAABkAAAAAAAAABQAAABAHwAAAAAAACYAAAAAAAAAwOD//wAAAAAmAAAAZAAAABYAAABMAAAAAAAAAAAAAAAEAAAAAAAAAAEAAADn5uYKAAAAACgAAAAoAAAAZAAAAGQAAAAAAAAAzMzMAAAAAABQAAAAUAAAAGQAAABkAAAAAAAAABcAAAAUAAAAAAAAAAAAAAD/fwAA/38AAAAAAAAJAAAABAAAAAAAAAAeAAAAaAAAAAAAAAAAAAAAAAAAAAAAAAAAAAAAECcAABAnAAAAAAAAAAAAAAAAAAAAAAAAAAAAAAAAAAAAAAAAAAAAABQAAAAAAAAAwMD/AAAAAABkAAAAMgAAAAAAAABkAAAAAAAAAH9/fwAKAAAAIgAAABgAAAAAAAAAAAAAAAAAAAAAAAAAAAAAAAAAAAAkAAAAJAAAAAAAAAAHAAAAAAAAAAAAAAAAAAAAAAAAAAAAAAAAAAAAf39/ACUAAABYAAAAAAAAAAAAAAAAAAAAAAAAAAAAAAAAAAAAAAAAAAAAAAAAAAAAAAAAAAAAAAA/AAAAAAAAAKCGAQAAAAAAAAAAAAAAAAAMAAAAAQAAAAAAAAAAAAAAAAAAAB8AAABUAAAARHLEBf///wEAAAAAAAAAAAAAAAAAAAAAAAAAAAAAAAAAAAAAAAAAAAAAAAJ/f38A5+bmA8zMzADAwP8Af39/AAAAAAAAAAAAAAAAAAAAAAAAAAAAIQAAABgAAAAUAAAAKAUAADsLAADYRQAAACYAABAAAAAmAAAACAAAAAAAAAAAAAAAMAAAABQAAAAAAAAAAAD//wAAAQAAAP//AAABAA=="/>
+                <pr:smNativeData xmlns="smNativeData" xmlns:pr="smNativeData" xmlns:p15="http://schemas.microsoft.com/office/powerpoint/2012/main" xmlns:p14="http://schemas.microsoft.com/office/powerpoint/2010/main" xmlns:mc="http://schemas.openxmlformats.org/markup-compatibility/2006" val="SMDATA_16_xzE7ZxMAAAAlAAAAZAAAAA0AAAAAkAAAAEgAAACQAAAASAAAAAAAAAAAAAAAAAAAAAEAAABQAAAAAAAAAAAA4D8AAAAAAADgPwAAAAAAAOA/AAAAAAAA4D8AAAAAAADgPwAAAAAAAOA/AAAAAAAA4D8AAAAAAADgPwAAAAAAAOA/AAAAAAAA4D8CAAAAjAAAAAAAAAAAAAAARHLEDP///wgAAAAAAAAAAAAAAAAAAAAAAAAAAAAAAAAAAAAAZAAAAAEAAABAAAAAAAAAAAAAAAAAAAAAAAAAAAAAAAAAAAAAAAAAAAAAAAAAAAAAAAAAAAAAAAAAAAAAAAAAAAAAAAAAAAAAAAAAAAAAAAAAAAAAAAAAAAAAAAAAAAAAFAAAADwAAAAAAAAAAAAAAAAAAAkUAAAAAQAAABQAAAAUAAAAFAAAAAEAAAAAAAAAZAAAAGQAAAAAAAAAZAAAAGQAAAAVAAAAYAAAAAAAAAAAAAAADwAAACADAAAAAAAAAAAAAAEAAACgMgAAVgcAAKr4//8BAAAAf39/AAEAAABkAAAAAAAAABQAAABAHwAAAAAAACYAAAAAAAAAwOD//wAAAAAmAAAAZAAAABYAAABMAAAAAAAAAAAAAAAEAAAAAAAAAAEAAADn5uYKAAAAACgAAAAoAAAAZAAAAGQAAAAAAAAAzMzMAAAAAABQAAAAUAAAAGQAAABkAAAAAAAAABcAAAAUAAAAAAAAAAAAAAD/fwAA/38AAAAAAAAJAAAABAAAAAAAAAAeAAAAaAAAAAAAAAAAAAAAAAAAAAAAAAAAAAAAECcAABAnAAAAAAAAAAAAAAAAAAAAAAAAAAAAAAAAAAAAAAAAAAAAABQAAAAAAAAAwMD/AAAAAABkAAAAMgAAAAAAAABkAAAAAAAAAH9/fwAKAAAAIgAAABgAAAAAAAAAAAAAAAAAAAAAAAAAAAAAAAAAAAAkAAAAJAAAAAAAAAAHAAAAAAAAAAAAAAAAAAAAAAAAAAAAAAAAAAAAf39/ACUAAABYAAAAAAAAAAAAAAAAAAAAAAAAAAAAAAAAAAAAAAAAAAAAAAAAAAAAAAAAAAAAAAA/AAAAAAAAAKCGAQAAAAAAAAAAAAAAAAAMAAAAAQAAAAAAAAAAAAAAAAAAAB8AAABUAAAARHLEBf///wEAAAAAAAAAAAAAAAAAAAAAAAAAAAAAAAAAAAAAAAAAAAAAAAJ/f38A5+bmA8zMzADAwP8Af39/AAAAAAAAAAAAAAAAAAAAAAAAAAAAIQAAABgAAAAUAAAAKAUAADsLAADYRQAAACYAABAAAAAmAAAACAAAAAAAAAAAAAAAMAAAABQAAAAAAAAAAAD//wAAAQAAAP//AAABAA=="/>
               </a:ext>
             </a:extLst>
           </p:cNvSpPr>
@@ -6712,7 +6712,7 @@
             <a:picLocks noChangeAspect="1"/>
             <a:extLst>
               <a:ext uri="smNativeData">
-                <pr:smNativeData xmlns:mc="http://schemas.openxmlformats.org/markup-compatibility/2006" xmlns:p14="http://schemas.microsoft.com/office/powerpoint/2010/main" xmlns:p15="http://schemas.microsoft.com/office/powerpoint/2012/main" xmlns:pr="smNativeData" xmlns="smNativeData" val="SMDATA_18_xzE7ZxMAAAAlAAAAEQAAAC0AAAAAkAAAAEgAAACQAAAASAAAAAAAAAAAAAAAAAAAAAEAAABQAAAAAAAAAAAA4D8AAAAAAADgPwAAAAAAAOA/AAAAAAAA4D8AAAAAAADgPwAAAAAAAOA/AAAAAAAA4D8AAAAAAADgPwAAAAAAAOA/AAAAAAAA4D8CAAAAjAAAAAAAAAAAAAAARHLEDP///wgAAAAAAAAAAAAAAAAAAAAAAAAAAAAAAAAAAAAAZAAAAAEAAABAAAAAAAAAAAAAAAAAAAAAAAAAAAAAAAAAAAAAAAAAAAAAAAAAAAAAAAAAAAAAAAAAAAAAAAAAAAAAAAAAAAAAAAAAAAAAAAAAAAAAAAAAAAAAAAAAAAAAFAAAADwAAAAAAAAAAAAAAAAAAAkUAAAAAQAAABQAAAAUAAAAFAAAAAEAAAAAAAAAZAAAAGQAAAAAAAAAZAAAAGQAAAAVAAAAYAAAAAAAAAAAAAAADwAAACADAAAAAAAAAAAAAAEAAACgMgAAVgcAAKr4//8BAAAAf39/AAEAAABkAAAAAAAAABQAAABAHwAAAAAAACYAAAAAAAAAwOD//wAAAAAmAAAAZAAAABYAAABMAAAAAAAAAAAAAAAEAAAAAAAAAAEAAADn5uYKAAAAACgAAAAoAAAAZAAAAGQAAAAAAAAAzMzMAAAAAABQAAAAUAAAAGQAAABkAAAAAAAAAAcAAAA4AAAAAAAAAAAAAAAAAAAA////AAAAAAAAAAAAAAAAAAAAAAAAAAAAAAAAAAAAAABkAAAAZAAAAAAAAAAjAAAABAAAAGQAAAAXAAAAFAAAAAAAAAAAAAAA/38AAP9/AAAAAAAACQAAAAQAAAD/////HgAAAGgAAAAAAAAAAAAAAAAAAAAAAAAAAAAAABAnAAAQJwAAAAAAAAAAAAAAAAAAAAAAAAAAAAAAAAAAAAAAAAAAAAAUAAAAAAAAAMDA/wAAAAAAZAAAADIAAAAAAAAAZAAAAAAAAAB/f38ACgAAACIAAAAYAAAAAAAAAAAAAAAAAAAAAAAAAAAAAAAAAAAAJAAAACQAAAAAAAAABwAAAAAAAAAAAAAAAAAAAAAAAAAAAAAAAAAAAH9/fwAlAAAAWAAAAAAAAAAAAAAAAAAAAAAAAAAAAAAAAAAAAAAAAAAAAAAAAAAAAAAAAAAAAAAAPwAAAAAAAACghgEAAAAAAAAAAAAAAAAADAAAAAEAAAAAAAAAAAAAAAAAAAAfAAAAVAAAAERyxAX///8BAAAAAAAAAAAAAAAAAAAAAAAAAAAAAAAAAAAAAAAAAAAAAAACf39/AOfm5gPMzMwAwMD/AH9/fwAAAAAAAAAAAAAAAAD///8AAAAAACEAAAAYAAAAFAAAAAAAAABpDAAAHCQAAPEnAAAQAAAAJgAAAAgAAAD//////////zAAAAAUAAAAAAAAAAAA//8AAAEAAAD//wAAAQA="/>
+                <pr:smNativeData xmlns="smNativeData" xmlns:pr="smNativeData" xmlns:p15="http://schemas.microsoft.com/office/powerpoint/2012/main" xmlns:p14="http://schemas.microsoft.com/office/powerpoint/2010/main" xmlns:mc="http://schemas.openxmlformats.org/markup-compatibility/2006" val="SMDATA_18_xzE7ZxMAAAAlAAAAEQAAAC0AAAAAkAAAAEgAAACQAAAASAAAAAAAAAAAAAAAAAAAAAEAAABQAAAAAAAAAAAA4D8AAAAAAADgPwAAAAAAAOA/AAAAAAAA4D8AAAAAAADgPwAAAAAAAOA/AAAAAAAA4D8AAAAAAADgPwAAAAAAAOA/AAAAAAAA4D8CAAAAjAAAAAAAAAAAAAAARHLEDP///wgAAAAAAAAAAAAAAAAAAAAAAAAAAAAAAAAAAAAAZAAAAAEAAABAAAAAAAAAAAAAAAAAAAAAAAAAAAAAAAAAAAAAAAAAAAAAAAAAAAAAAAAAAAAAAAAAAAAAAAAAAAAAAAAAAAAAAAAAAAAAAAAAAAAAAAAAAAAAAAAAAAAAFAAAADwAAAAAAAAAAAAAAAAAAAkUAAAAAQAAABQAAAAUAAAAFAAAAAEAAAAAAAAAZAAAAGQAAAAAAAAAZAAAAGQAAAAVAAAAYAAAAAAAAAAAAAAADwAAACADAAAAAAAAAAAAAAEAAACgMgAAVgcAAKr4//8BAAAAf39/AAEAAABkAAAAAAAAABQAAABAHwAAAAAAACYAAAAAAAAAwOD//wAAAAAmAAAAZAAAABYAAABMAAAAAAAAAAAAAAAEAAAAAAAAAAEAAADn5uYKAAAAACgAAAAoAAAAZAAAAGQAAAAAAAAAzMzMAAAAAABQAAAAUAAAAGQAAABkAAAAAAAAAAcAAAA4AAAAAAAAAAAAAAAAAAAA////AAAAAAAAAAAAAAAAAAAAAAAAAAAAAAAAAAAAAABkAAAAZAAAAAAAAAAjAAAABAAAAGQAAAAXAAAAFAAAAAAAAAAAAAAA/38AAP9/AAAAAAAACQAAAAQAAAD/////HgAAAGgAAAAAAAAAAAAAAAAAAAAAAAAAAAAAABAnAAAQJwAAAAAAAAAAAAAAAAAAAAAAAAAAAAAAAAAAAAAAAAAAAAAUAAAAAAAAAMDA/wAAAAAAZAAAADIAAAAAAAAAZAAAAAAAAAB/f38ACgAAACIAAAAYAAAAAAAAAAAAAAAAAAAAAAAAAAAAAAAAAAAAJAAAACQAAAAAAAAABwAAAAAAAAAAAAAAAAAAAAAAAAAAAAAAAAAAAH9/fwAlAAAAWAAAAAAAAAAAAAAAAAAAAAAAAAAAAAAAAAAAAAAAAAAAAAAAAAAAAAAAAAAAAAAAPwAAAAAAAACghgEAAAAAAAAAAAAAAAAADAAAAAEAAAAAAAAAAAAAAAAAAAAfAAAAVAAAAERyxAX///8BAAAAAAAAAAAAAAAAAAAAAAAAAAAAAAAAAAAAAAAAAAAAAAACf39/AOfm5gPMzMwAwMD/AH9/fwAAAAAAAAAAAAAAAAD///8AAAAAACEAAAAYAAAAFAAAAAAAAABpDAAAHCQAAPEnAAAQAAAAJgAAAAgAAAD//////////zAAAAAUAAAAAAAAAAAA//8AAAEAAAD//wAAAQA="/>
               </a:ext>
             </a:extLst>
           </p:cNvPicPr>
@@ -6746,7 +6746,7 @@
             <a:picLocks noChangeAspect="1"/>
             <a:extLst>
               <a:ext uri="smNativeData">
-                <pr:smNativeData xmlns:mc="http://schemas.openxmlformats.org/markup-compatibility/2006" xmlns:p14="http://schemas.microsoft.com/office/powerpoint/2010/main" xmlns:p15="http://schemas.microsoft.com/office/powerpoint/2012/main" xmlns:pr="smNativeData" xmlns="smNativeData" val="SMDATA_18_xzE7ZxMAAAAlAAAAEQAAAC0AAAAAkAAAAEgAAACQAAAASAAAAAAAAAAAAAAAAAAAAAEAAABQAAAAAAAAAAAA4D8AAAAAAADgPwAAAAAAAOA/AAAAAAAA4D8AAAAAAADgPwAAAAAAAOA/AAAAAAAA4D8AAAAAAADgPwAAAAAAAOA/AAAAAAAA4D8CAAAAjAAAAAAAAAAAAAAARHLEDP///wgAAAAAAAAAAAAAAAAAAAAAAAAAAAAAAAAAAAAAZAAAAAEAAABAAAAAAAAAAAAAAAAAAAAAAAAAAAAAAAAAAAAAAAAAAAAAAAAAAAAAAAAAAAAAAAAAAAAAAAAAAAAAAAAAAAAAAAAAAAAAAAAAAAAAAAAAAAAAAAAAAAAAFAAAADwAAAAAAAAAAAAAAAAAAAkUAAAAAQAAABQAAAAUAAAAFAAAAAEAAAAAAAAAZAAAAGQAAAAAAAAAZAAAAGQAAAAVAAAAYAAAAAAAAAAAAAAADwAAACADAAAAAAAAAAAAAAEAAACgMgAAVgcAAKr4//8BAAAAf39/AAEAAABkAAAAAAAAABQAAABAHwAAAAAAACYAAAAAAAAAwOD//wAAAAAmAAAAZAAAABYAAABMAAAAAAAAAAAAAAAEAAAAAAAAAAEAAADn5uYKAAAAACgAAAAoAAAAZAAAAGQAAAAAAAAAzMzMAAAAAABQAAAAUAAAAGQAAABkAAAAAAAAAAcAAAA4AAAAAAAAAAAAAAAAAAAA////AAAAAAAAAAAAAAAAAAAAAAAAAAAAAAAAAAAAAABkAAAAZAAAAAAAAAAjAAAABAAAAGQAAAAXAAAAFAAAAAAAAAAAAAAA/38AAP9/AAAAAAAACQAAAAQAAAD/////HgAAAGgAAAAAAAAAAAAAAAAAAAAAAAAAAAAAABAnAAAQJwAAAAAAAAAAAAAAAAAAAAAAAAAAAAAAAAAAAAAAAAAAAAAUAAAAAAAAAMDA/wAAAAAAZAAAADIAAAAAAAAAZAAAAAAAAAB/f38ACgAAACIAAAAYAAAAAAAAAAAAAAAAAAAAAAAAAAAAAAAAAAAAJAAAACQAAAAAAAAABwAAAAAAAAAAAAAAAAAAAAAAAAAAAAAAAAAAAH9/fwAlAAAAWAAAAAAAAAAAAAAAAAAAAAAAAAAAAAAAAAAAAAAAAAAAAAAAAAAAAAAAAAAAAAAAPwAAAAAAAACghgEAAAAAAAAAAAAAAAAADAAAAAEAAAAAAAAAAAAAAAAAAAAfAAAAVAAAAERyxAX///8BAAAAAAAAAAAAAAAAAAAAAAAAAAAAAAAAAAAAAAAAAAAAAAACf39/AOfm5gPMzMwAwMD/AH9/fwAAAAAAAAAAAAAAAAD///8AAAAAACEAAAAYAAAAFAAAABwkAAB7EwAAVEgAAC0nAAAQAAAAJgAAAAgAAAD//////////zAAAAAUAAAAAAAAAAAA//8AAAEAAAD//wAAAQA="/>
+                <pr:smNativeData xmlns="smNativeData" xmlns:pr="smNativeData" xmlns:p15="http://schemas.microsoft.com/office/powerpoint/2012/main" xmlns:p14="http://schemas.microsoft.com/office/powerpoint/2010/main" xmlns:mc="http://schemas.openxmlformats.org/markup-compatibility/2006" val="SMDATA_18_xzE7ZxMAAAAlAAAAEQAAAC0AAAAAkAAAAEgAAACQAAAASAAAAAAAAAAAAAAAAAAAAAEAAABQAAAAAAAAAAAA4D8AAAAAAADgPwAAAAAAAOA/AAAAAAAA4D8AAAAAAADgPwAAAAAAAOA/AAAAAAAA4D8AAAAAAADgPwAAAAAAAOA/AAAAAAAA4D8CAAAAjAAAAAAAAAAAAAAARHLEDP///wgAAAAAAAAAAAAAAAAAAAAAAAAAAAAAAAAAAAAAZAAAAAEAAABAAAAAAAAAAAAAAAAAAAAAAAAAAAAAAAAAAAAAAAAAAAAAAAAAAAAAAAAAAAAAAAAAAAAAAAAAAAAAAAAAAAAAAAAAAAAAAAAAAAAAAAAAAAAAAAAAAAAAFAAAADwAAAAAAAAAAAAAAAAAAAkUAAAAAQAAABQAAAAUAAAAFAAAAAEAAAAAAAAAZAAAAGQAAAAAAAAAZAAAAGQAAAAVAAAAYAAAAAAAAAAAAAAADwAAACADAAAAAAAAAAAAAAEAAACgMgAAVgcAAKr4//8BAAAAf39/AAEAAABkAAAAAAAAABQAAABAHwAAAAAAACYAAAAAAAAAwOD//wAAAAAmAAAAZAAAABYAAABMAAAAAAAAAAAAAAAEAAAAAAAAAAEAAADn5uYKAAAAACgAAAAoAAAAZAAAAGQAAAAAAAAAzMzMAAAAAABQAAAAUAAAAGQAAABkAAAAAAAAAAcAAAA4AAAAAAAAAAAAAAAAAAAA////AAAAAAAAAAAAAAAAAAAAAAAAAAAAAAAAAAAAAABkAAAAZAAAAAAAAAAjAAAABAAAAGQAAAAXAAAAFAAAAAAAAAAAAAAA/38AAP9/AAAAAAAACQAAAAQAAAD/////HgAAAGgAAAAAAAAAAAAAAAAAAAAAAAAAAAAAABAnAAAQJwAAAAAAAAAAAAAAAAAAAAAAAAAAAAAAAAAAAAAAAAAAAAAUAAAAAAAAAMDA/wAAAAAAZAAAADIAAAAAAAAAZAAAAAAAAAB/f38ACgAAACIAAAAYAAAAAAAAAAAAAAAAAAAAAAAAAAAAAAAAAAAAJAAAACQAAAAAAAAABwAAAAAAAAAAAAAAAAAAAAAAAAAAAAAAAAAAAH9/fwAlAAAAWAAAAAAAAAAAAAAAAAAAAAAAAAAAAAAAAAAAAAAAAAAAAAAAAAAAAAAAAAAAAAAAPwAAAAAAAACghgEAAAAAAAAAAAAAAAAADAAAAAEAAAAAAAAAAAAAAAAAAAAfAAAAVAAAAERyxAX///8BAAAAAAAAAAAAAAAAAAAAAAAAAAAAAAAAAAAAAAAAAAAAAAACf39/AOfm5gPMzMwAwMD/AH9/fwAAAAAAAAAAAAAAAAD///8AAAAAACEAAAAYAAAAFAAAABwkAAB7EwAAVEgAAC0nAAAQAAAAJgAAAAgAAAD//////////zAAAAAUAAAAAAAAAAAA//8AAAEAAAD//wAAAQA="/>
               </a:ext>
             </a:extLst>
           </p:cNvPicPr>

--- a/plots.pptx
+++ b/plots.pptx
@@ -264,7 +264,7 @@
             <a:spLocks noGrp="1" noChangeArrowheads="1"/>
             <a:extLst>
               <a:ext uri="smNativeData">
-                <pr:smNativeData xmlns="smNativeData" xmlns:pr="smNativeData" xmlns:p15="http://schemas.microsoft.com/office/powerpoint/2012/main" xmlns:p14="http://schemas.microsoft.com/office/powerpoint/2010/main" xmlns:mc="http://schemas.openxmlformats.org/markup-compatibility/2006" val="SMDATA_16_xzE7ZxMAAAAlAAAAZAAAAA8BAAAAkAAAAEgAAACQAAAASAAAAAAAAAAAAAAAAAAAAAEAAABQAAAAAAAAAAAA4D8AAAAAAADgPwAAAAAAAOA/AAAAAAAA4D8AAAAAAADgPwAAAAAAAOA/AAAAAAAA4D8AAAAAAADgPwAAAAAAAOA/AAAAAAAA4D8CAAAAjAAAAAAAAAAAAAAAu+DjDP///wgAAAAAAAAAAAAAAAAAAAAAAAAAAAAAAAAAAAAAZAAAAAEAAABAAAAAAAAAAAAAAAAAAAAAAAAAAAAAAAAAAAAAAAAAAAAAAAAAAAAAAAAAAAAAAAAAAAAAAAAAAAAAAAAAAAAAAAAAAAAAAAAAAAAAAAAAAAAAAAAAAAAAFAAAADwAAAAAAAAAAAAAAAAAAAkUAAAAAQAAABQAAAAUAAAAFAAAAAEAAAAAAAAAZAAAAGQAAAAAAAAAZAAAAGQAAAAVAAAAYAAAAAAAAAAAAAAADwAAACADAAAAAAAAAAAAAAEAAACgMgAAVgcAAKr4//8BAAAAf39/AAEAAABkAAAAAAAAABQAAABAHwAAAAAAACYAAAAAAAAAwOD//wAAAAAmAAAAZAAAABYAAABMAAAAAAAAAAAAAAAEAAAAAAAAAAEAAACAgIAKAAAAACgAAAAoAAAAZAAAAGQAAAAAAAAAzMzMAAAAAABQAAAAUAAAAGQAAABkAAAAAAAAABcAAAAUAAAAAAAAAAAAAAD/fwAA/38AAAAAAAAJAAAABAAAAAAAAAAeAAAAaAAAAAAAAAAAAAAAAAAAAAAAAAAAAAAAECcAABAnAAAAAAAAAAAAAAAAAAAAAAAAAAAAAAAAAAAAAAAAAAAAABQAAAAAAAAAwMD/AAAAAABkAAAAMgAAAAAAAABkAAAAAAAAAH9/fwAKAAAAIgAAABgAAAAAAAAAAAAAAAAAAAAAAAAAAAAAAAAAAAAkAAAAJAAAAAAAAAAHAAAAAAAAAAAAAAAAAAAAAAAAAAAAAAAAAAAAf39/ACUAAABYAAAAAAAAAAAAAAAAAAAAAAAAAAAAAAAAAAAAAAAAAAAAAAAAAAAAAAAAAAAAAAA/AAAAAAAAAKCGAQAAAAAAAAAAAAAAAAAMAAAAAQAAAAAAAAAAAAAAAAAAAB8AAABUAAAAAAAABQAAAAEAAAAAAAAAAAAAAAAAAAAAAAAAAAAAAAAAAAAAAAAAAAAAAAJ/f38AAAAAA8zMzADAwP8Af39/AAAAAAAAAAAAAAAAAAAAAAAAAAAAIQAAABgAAAAUAAAAAAAAAAAAAABIEgAA0AIAABAAAAAmAAAACAAAAP//////////MAAAABQAAAAAAAAAAAD//wAAAQAAAP//AAABAA=="/>
+                <pr:smNativeData xmlns:mc="http://schemas.openxmlformats.org/markup-compatibility/2006" xmlns:p14="http://schemas.microsoft.com/office/powerpoint/2010/main" xmlns:p15="http://schemas.microsoft.com/office/powerpoint/2012/main" xmlns:pr="smNativeData" xmlns="smNativeData" val="SMDATA_16_xzE7ZxMAAAAlAAAAZAAAAA8BAAAAkAAAAEgAAACQAAAASAAAAAAAAAAAAAAAAAAAAAEAAABQAAAAAAAAAAAA4D8AAAAAAADgPwAAAAAAAOA/AAAAAAAA4D8AAAAAAADgPwAAAAAAAOA/AAAAAAAA4D8AAAAAAADgPwAAAAAAAOA/AAAAAAAA4D8CAAAAjAAAAAAAAAAAAAAAu+DjDP///wgAAAAAAAAAAAAAAAAAAAAAAAAAAAAAAAAAAAAAZAAAAAEAAABAAAAAAAAAAAAAAAAAAAAAAAAAAAAAAAAAAAAAAAAAAAAAAAAAAAAAAAAAAAAAAAAAAAAAAAAAAAAAAAAAAAAAAAAAAAAAAAAAAAAAAAAAAAAAAAAAAAAAFAAAADwAAAAAAAAAAAAAAAAAAAkUAAAAAQAAABQAAAAUAAAAFAAAAAEAAAAAAAAAZAAAAGQAAAAAAAAAZAAAAGQAAAAVAAAAYAAAAAAAAAAAAAAADwAAACADAAAAAAAAAAAAAAEAAACgMgAAVgcAAKr4//8BAAAAf39/AAEAAABkAAAAAAAAABQAAABAHwAAAAAAACYAAAAAAAAAwOD//wAAAAAmAAAAZAAAABYAAABMAAAAAAAAAAAAAAAEAAAAAAAAAAEAAACAgIAKAAAAACgAAAAoAAAAZAAAAGQAAAAAAAAAzMzMAAAAAABQAAAAUAAAAGQAAABkAAAAAAAAABcAAAAUAAAAAAAAAAAAAAD/fwAA/38AAAAAAAAJAAAABAAAAAAAAAAeAAAAaAAAAAAAAAAAAAAAAAAAAAAAAAAAAAAAECcAABAnAAAAAAAAAAAAAAAAAAAAAAAAAAAAAAAAAAAAAAAAAAAAABQAAAAAAAAAwMD/AAAAAABkAAAAMgAAAAAAAABkAAAAAAAAAH9/fwAKAAAAIgAAABgAAAAAAAAAAAAAAAAAAAAAAAAAAAAAAAAAAAAkAAAAJAAAAAAAAAAHAAAAAAAAAAAAAAAAAAAAAAAAAAAAAAAAAAAAf39/ACUAAABYAAAAAAAAAAAAAAAAAAAAAAAAAAAAAAAAAAAAAAAAAAAAAAAAAAAAAAAAAAAAAAA/AAAAAAAAAKCGAQAAAAAAAAAAAAAAAAAMAAAAAQAAAAAAAAAAAAAAAAAAAB8AAABUAAAAAAAABQAAAAEAAAAAAAAAAAAAAAAAAAAAAAAAAAAAAAAAAAAAAAAAAAAAAAJ/f38AAAAAA8zMzADAwP8Af39/AAAAAAAAAAAAAAAAAAAAAAAAAAAAIQAAABgAAAAUAAAAAAAAAAAAAABIEgAA0AIAABAAAAAmAAAACAAAAP//////////MAAAABQAAAAAAAAAAAD//wAAAQAAAP//AAABAA=="/>
               </a:ext>
             </a:extLst>
           </p:cNvSpPr>
@@ -336,7 +336,7 @@
             <a:spLocks noGrp="1" noChangeArrowheads="1"/>
             <a:extLst>
               <a:ext uri="smNativeData">
-                <pr:smNativeData xmlns="smNativeData" xmlns:pr="smNativeData" xmlns:p15="http://schemas.microsoft.com/office/powerpoint/2012/main" xmlns:p14="http://schemas.microsoft.com/office/powerpoint/2010/main" xmlns:mc="http://schemas.openxmlformats.org/markup-compatibility/2006" val="SMDATA_16_xzE7ZxMAAAAlAAAAZAAAAA8BAAAAkAAAAEgAAACQAAAASAAAAAAAAAAAAAAAAAAAAAEAAABQAAAAAAAAAAAA4D8AAAAAAADgPwAAAAAAAOA/AAAAAAAA4D8AAAAAAADgPwAAAAAAAOA/AAAAAAAA4D8AAAAAAADgPwAAAAAAAOA/AAAAAAAA4D8CAAAAjAAAAAAAAAAAAAAAu+DjDP///wgAAAAAAAAAAAAAAAAAAAAAAAAAAAAAAAAAAAAAZAAAAAEAAABAAAAAAAAAAAAAAAAAAAAAAAAAAAAAAAAAAAAAAAAAAAAAAAAAAAAAAAAAAAAAAAAAAAAAAAAAAAAAAAAAAAAAAAAAAAAAAAAAAAAAAAAAAAAAAAAAAAAAFAAAADwAAAAAAAAAAAAAAAAAAAkUAAAAAQAAABQAAAAUAAAAFAAAAAEAAAAAAAAAZAAAAGQAAAAAAAAAZAAAAGQAAAAVAAAAYAAAAAAAAAAAAAAADwAAACADAAAAAAAAAAAAAAEAAACgMgAAVgcAAKr4//8BAAAAf39/AAEAAABkAAAAAAAAABQAAABAHwAAAAAAACYAAAAAAAAAwOD//wAAAAAmAAAAZAAAABYAAABMAAAAAAAAAAAAAAAEAAAAAAAAAAEAAACAgIAKAAAAACgAAAAoAAAAZAAAAGQAAAAAAAAAzMzMAAAAAABQAAAAUAAAAGQAAABkAAAAAAAAABcAAAAUAAAAAAAAAAAAAAD/fwAA/38AAAAAAAAJAAAABAAAAAAAAAAeAAAAaAAAAAAAAAAAAAAAAAAAAAAAAAAAAAAAECcAABAnAAAAAAAAAAAAAAAAAAAAAAAAAAAAAAAAAAAAAAAAAAAAABQAAAAAAAAAwMD/AAAAAABkAAAAMgAAAAAAAABkAAAAAAAAAH9/fwAKAAAAIgAAABgAAAAAAAAAAAAAAAAAAAAAAAAAAAAAAAAAAAAkAAAAJAAAAAAAAAAHAAAAAAAAAAAAAAAAAAAAAAAAAAAAAAAAAAAAf39/ACUAAABYAAAAAAAAAAAAAAAAAAAAAAAAAAAAAAAAAAAAAAAAAAAAAAAAAAAAAAAAAAAAAAA/AAAAAAAAAKCGAQAAAAAAAAAAAAAAAAAMAAAAAQAAAAAAAAAAAAAAAAAAAB8AAABUAAAAAAAABQAAAAEAAAAAAAAAAAAAAAAAAAAAAAAAAAAAAAAAAAAAAAAAAAAAAAJ/f38AAAAAA8zMzADAwP8Af39/AAAAAAAAAAAAAAAAAAAAAAAAAAAAIQAAABgAAAAUAAAA6BcAAAAAAAAwKgAA0AIAABAAAAAmAAAACAAAAP//////////MAAAABQAAAAAAAAAAAD//wAAAQAAAP//AAABAA=="/>
+                <pr:smNativeData xmlns:mc="http://schemas.openxmlformats.org/markup-compatibility/2006" xmlns:p14="http://schemas.microsoft.com/office/powerpoint/2010/main" xmlns:p15="http://schemas.microsoft.com/office/powerpoint/2012/main" xmlns:pr="smNativeData" xmlns="smNativeData" val="SMDATA_16_xzE7ZxMAAAAlAAAAZAAAAA8BAAAAkAAAAEgAAACQAAAASAAAAAAAAAAAAAAAAAAAAAEAAABQAAAAAAAAAAAA4D8AAAAAAADgPwAAAAAAAOA/AAAAAAAA4D8AAAAAAADgPwAAAAAAAOA/AAAAAAAA4D8AAAAAAADgPwAAAAAAAOA/AAAAAAAA4D8CAAAAjAAAAAAAAAAAAAAAu+DjDP///wgAAAAAAAAAAAAAAAAAAAAAAAAAAAAAAAAAAAAAZAAAAAEAAABAAAAAAAAAAAAAAAAAAAAAAAAAAAAAAAAAAAAAAAAAAAAAAAAAAAAAAAAAAAAAAAAAAAAAAAAAAAAAAAAAAAAAAAAAAAAAAAAAAAAAAAAAAAAAAAAAAAAAFAAAADwAAAAAAAAAAAAAAAAAAAkUAAAAAQAAABQAAAAUAAAAFAAAAAEAAAAAAAAAZAAAAGQAAAAAAAAAZAAAAGQAAAAVAAAAYAAAAAAAAAAAAAAADwAAACADAAAAAAAAAAAAAAEAAACgMgAAVgcAAKr4//8BAAAAf39/AAEAAABkAAAAAAAAABQAAABAHwAAAAAAACYAAAAAAAAAwOD//wAAAAAmAAAAZAAAABYAAABMAAAAAAAAAAAAAAAEAAAAAAAAAAEAAACAgIAKAAAAACgAAAAoAAAAZAAAAGQAAAAAAAAAzMzMAAAAAABQAAAAUAAAAGQAAABkAAAAAAAAABcAAAAUAAAAAAAAAAAAAAD/fwAA/38AAAAAAAAJAAAABAAAAAAAAAAeAAAAaAAAAAAAAAAAAAAAAAAAAAAAAAAAAAAAECcAABAnAAAAAAAAAAAAAAAAAAAAAAAAAAAAAAAAAAAAAAAAAAAAABQAAAAAAAAAwMD/AAAAAABkAAAAMgAAAAAAAABkAAAAAAAAAH9/fwAKAAAAIgAAABgAAAAAAAAAAAAAAAAAAAAAAAAAAAAAAAAAAAAkAAAAJAAAAAAAAAAHAAAAAAAAAAAAAAAAAAAAAAAAAAAAAAAAAAAAf39/ACUAAABYAAAAAAAAAAAAAAAAAAAAAAAAAAAAAAAAAAAAAAAAAAAAAAAAAAAAAAAAAAAAAAA/AAAAAAAAAKCGAQAAAAAAAAAAAAAAAAAMAAAAAQAAAAAAAAAAAAAAAAAAAB8AAABUAAAAAAAABQAAAAEAAAAAAAAAAAAAAAAAAAAAAAAAAAAAAAAAAAAAAAAAAAAAAAJ/f38AAAAAA8zMzADAwP8Af39/AAAAAAAAAAAAAAAAAAAAAAAAAAAAIQAAABgAAAAUAAAA6BcAAAAAAAAwKgAA0AIAABAAAAAmAAAACAAAAP//////////MAAAABQAAAAAAAAAAAD//wAAAQAAAP//AAABAA=="/>
               </a:ext>
             </a:extLst>
           </p:cNvSpPr>
@@ -411,7 +411,7 @@
             <a:spLocks noGrp="1" noRot="1" noChangeAspect="1" noChangeArrowheads="1"/>
             <a:extLst>
               <a:ext uri="smNativeData">
-                <pr:smNativeData xmlns="smNativeData" xmlns:pr="smNativeData" xmlns:p15="http://schemas.microsoft.com/office/powerpoint/2012/main" xmlns:p14="http://schemas.microsoft.com/office/powerpoint/2010/main" xmlns:mc="http://schemas.openxmlformats.org/markup-compatibility/2006" val="SMDATA_16_xzE7ZxMAAAAlAAAAZAAAAA8BAAAAkAAAAEgAAACQAAAASAAAAAAAAAABAAAAAAAAAAEAAABQAAAAAAAAAAAA4D8AAAAAAADgPwAAAAAAAOA/AAAAAAAA4D8AAAAAAADgPwAAAAAAAOA/AAAAAAAA4D8AAAAAAADgPwAAAAAAAOA/AAAAAAAA4D8CAAAAjAAAAAEAAAAAAAAAu+DjDP///wgAAAAAAAAAAAAAAAAAAAAAAAAAAAAAAAAAAAAAZAAAAAEAAABAAAAAAAAAAAAAAAAAAAAAAAAAAAAAAAAAAAAAAAAAAAAAAAAAAAAAAAAAAAAAAAAAAAAAAAAAAAAAAAAAAAAAAAAAAAAAAAAAAAAAAAAAAAAAAAAAAAAAFAAAADwAAAABAAAAAAAAAAAAAAkUAAAAAQAAABQAAAAUAAAAFAAAAAEAAAAAAAAAZAAAAGQAAAAAAAAAZAAAAGQAAAAVAAAAYAAAAAAAAAAAAAAADwAAACADAAAAAAAAAAAAAAEAAACgMgAAVgcAAKr4//8BAAAAf39/AAEAAABkAAAAAAAAABQAAABAHwAAAAAAACYAAAAAAAAAwOD//wAAAAAmAAAAZAAAABYAAABMAAAAAAAAAAAAAAAEAAAAAAAAAAEAAACAgIAKAAAAACgAAAAoAAAAZAAAAGQAAAAAAAAAzMzMAAAAAABQAAAAUAAAAGQAAABkAAAAAAAAABcAAAAUAAAAAAAAAAAAAAD/fwAA/38AAAAAAAAJAAAABAAAAAAAAAAeAAAAaAAAAAAAAAAAAAAAAAAAAAAAAAAAAAAAECcAABAnAAAAAAAAAAAAAAAAAAAAAAAAAAAAAAAAAAAAAAAAAAAAABQAAAAAAAAAwMD/AAAAAABkAAAAMgAAAAAAAABkAAAAAAAAAH9/fwAKAAAAIgAAABgAAAAAAAAAAAAAAAAAAAAAAAAAAAAAAAAAAAAkAAAAJAAAAAAAAAAHAAAAAAAAAAAAAAAAAAAAAAAAAAAAAAAAAAAAf39/ACUAAABYAAAAAAAAAAAAAAAAAAAAAAAAAAAAAAAAAAAAAAAAAAAAAAAAAAAAAAAAAAAAAAA/AAAAAAAAAKCGAQAAAAAAAAAAAAAAAAAMAAAAAQAAAAAAAAAAAAAAAAAAAB8AAABUAAAAAAAABQAAAAEAAAAAAAAAAAAAAAAAAAAAAAAAAAAAAAAAAAAAAAAAAAAAAAJ/f38AAAAAA8zMzADAwP8Af39/AAAAAAAAAAAAAAAAAAAAAAAAAAAAIQAAABgAAAAUAAAACAcAADgEAAAoIwAAUBkAABAAAAAmAAAACAAAAP//////////MAAAABQAAAAAAAAAAAD//wAAAQAAAP//AAABAA=="/>
+                <pr:smNativeData xmlns:mc="http://schemas.openxmlformats.org/markup-compatibility/2006" xmlns:p14="http://schemas.microsoft.com/office/powerpoint/2010/main" xmlns:p15="http://schemas.microsoft.com/office/powerpoint/2012/main" xmlns:pr="smNativeData" xmlns="smNativeData" val="SMDATA_16_xzE7ZxMAAAAlAAAAZAAAAA8BAAAAkAAAAEgAAACQAAAASAAAAAAAAAABAAAAAAAAAAEAAABQAAAAAAAAAAAA4D8AAAAAAADgPwAAAAAAAOA/AAAAAAAA4D8AAAAAAADgPwAAAAAAAOA/AAAAAAAA4D8AAAAAAADgPwAAAAAAAOA/AAAAAAAA4D8CAAAAjAAAAAEAAAAAAAAAu+DjDP///wgAAAAAAAAAAAAAAAAAAAAAAAAAAAAAAAAAAAAAZAAAAAEAAABAAAAAAAAAAAAAAAAAAAAAAAAAAAAAAAAAAAAAAAAAAAAAAAAAAAAAAAAAAAAAAAAAAAAAAAAAAAAAAAAAAAAAAAAAAAAAAAAAAAAAAAAAAAAAAAAAAAAAFAAAADwAAAABAAAAAAAAAAAAAAkUAAAAAQAAABQAAAAUAAAAFAAAAAEAAAAAAAAAZAAAAGQAAAAAAAAAZAAAAGQAAAAVAAAAYAAAAAAAAAAAAAAADwAAACADAAAAAAAAAAAAAAEAAACgMgAAVgcAAKr4//8BAAAAf39/AAEAAABkAAAAAAAAABQAAABAHwAAAAAAACYAAAAAAAAAwOD//wAAAAAmAAAAZAAAABYAAABMAAAAAAAAAAAAAAAEAAAAAAAAAAEAAACAgIAKAAAAACgAAAAoAAAAZAAAAGQAAAAAAAAAzMzMAAAAAABQAAAAUAAAAGQAAABkAAAAAAAAABcAAAAUAAAAAAAAAAAAAAD/fwAA/38AAAAAAAAJAAAABAAAAAAAAAAeAAAAaAAAAAAAAAAAAAAAAAAAAAAAAAAAAAAAECcAABAnAAAAAAAAAAAAAAAAAAAAAAAAAAAAAAAAAAAAAAAAAAAAABQAAAAAAAAAwMD/AAAAAABkAAAAMgAAAAAAAABkAAAAAAAAAH9/fwAKAAAAIgAAABgAAAAAAAAAAAAAAAAAAAAAAAAAAAAAAAAAAAAkAAAAJAAAAAAAAAAHAAAAAAAAAAAAAAAAAAAAAAAAAAAAAAAAAAAAf39/ACUAAABYAAAAAAAAAAAAAAAAAAAAAAAAAAAAAAAAAAAAAAAAAAAAAAAAAAAAAAAAAAAAAAA/AAAAAAAAAKCGAQAAAAAAAAAAAAAAAAAMAAAAAQAAAAAAAAAAAAAAAAAAAB8AAABUAAAAAAAABQAAAAEAAAAAAAAAAAAAAAAAAAAAAAAAAAAAAAAAAAAAAAAAAAAAAAJ/f38AAAAAA8zMzADAwP8Af39/AAAAAAAAAAAAAAAAAAAAAAAAAAAAIQAAABgAAAAUAAAACAcAADgEAAAoIwAAUBkAABAAAAAmAAAACAAAAP//////////MAAAABQAAAAAAAAAAAD//wAAAQAAAP//AAABAA=="/>
               </a:ext>
             </a:extLst>
           </p:cNvSpPr>
@@ -448,7 +448,7 @@
             <a:spLocks noGrp="1" noChangeArrowheads="1"/>
             <a:extLst>
               <a:ext uri="smNativeData">
-                <pr:smNativeData xmlns="smNativeData" xmlns:pr="smNativeData" xmlns:p15="http://schemas.microsoft.com/office/powerpoint/2012/main" xmlns:p14="http://schemas.microsoft.com/office/powerpoint/2010/main" xmlns:mc="http://schemas.openxmlformats.org/markup-compatibility/2006" val="SMDATA_16_xzE7ZxMAAAAlAAAAZAAAAA8BAAAAkAAAAEgAAACQAAAASAAAAAAAAAAAAAAAAAAAAAEAAABQAAAAAAAAAAAA4D8AAAAAAADgPwAAAAAAAOA/AAAAAAAA4D8AAAAAAADgPwAAAAAAAOA/AAAAAAAA4D8AAAAAAADgPwAAAAAAAOA/AAAAAAAA4D8CAAAAjAAAAAAAAAAAAAAAu+DjDP///wgAAAAAAAAAAAAAAAAAAAAAAAAAAAAAAAAAAAAAZAAAAAEAAABAAAAAAAAAAAAAAAAAAAAAAAAAAAAAAAAAAAAAAAAAAAAAAAAAAAAAAAAAAAAAAAAAAAAAAAAAAAAAAAAAAAAAAAAAAAAAAAAAAAAAAAAAAAAAAAAAAAAAFAAAADwAAAAAAAAAAAAAAAAAAAkUAAAAAQAAABQAAAAUAAAAFAAAAAEAAAAAAAAAZAAAAGQAAAAAAAAAZAAAAGQAAAAVAAAAYAAAAAAAAAAAAAAADwAAACADAAAAAAAAAAAAAAEAAACgMgAAVgcAAKr4//8BAAAAf39/AAEAAABkAAAAAAAAABQAAABAHwAAAAAAACYAAAAAAAAAwOD//wAAAAAmAAAAZAAAABYAAABMAAAAAAAAAAAAAAAEAAAAAAAAAAEAAACAgIAKAAAAACgAAAAoAAAAZAAAAGQAAAAAAAAAzMzMAAAAAABQAAAAUAAAAGQAAABkAAAAAAAAABcAAAAUAAAAAAAAAAAAAAD/fwAA/38AAAAAAAAJAAAABAAAAAAAAAAeAAAAaAAAAAAAAAAAAAAAAAAAAAAAAAAAAAAAECcAABAnAAAAAAAAAAAAAAAAAAAAAAAAAAAAAAAAAAAAAAAAAAAAABQAAAAAAAAAwMD/AAAAAABkAAAAMgAAAAAAAABkAAAAAAAAAH9/fwAKAAAAIgAAABgAAAAAAAAAAAAAAAAAAAAAAAAAAAAAAAAAAAAkAAAAJAAAAAAAAAAHAAAAAAAAAAAAAAAAAAAAAAAAAAAAAAAAAAAAf39/ACUAAABYAAAAAAAAAAAAAAAAAAAAAAAAAAAAAAAAAAAAAAAAAAAAAAAAAAAAAAAAAAAAAAA/AAAAAAAAAKCGAQAAAAAAAAAAAAAAAAAMAAAAAQAAAAAAAAAAAAAAAAAAAB8AAABUAAAAAAAABQAAAAEAAAAAAAAAAAAAAAAAAAAAAAAAAAAAAAAAAAAAAAAAAAAAAAJ/f38AAAAAA8zMzADAwP8Af39/AAAAAAAAAAAAAAAAAAAAAAAAAAAAIQAAABgAAAAUAAAAOAQAALgaAAD4JQAACDQAABAAAAAmAAAACAAAAP//////////MAAAABQAAAAAAAAAAAD//wAAAQAAAP//AAABAA=="/>
+                <pr:smNativeData xmlns:mc="http://schemas.openxmlformats.org/markup-compatibility/2006" xmlns:p14="http://schemas.microsoft.com/office/powerpoint/2010/main" xmlns:p15="http://schemas.microsoft.com/office/powerpoint/2012/main" xmlns:pr="smNativeData" xmlns="smNativeData" val="SMDATA_16_xzE7ZxMAAAAlAAAAZAAAAA8BAAAAkAAAAEgAAACQAAAASAAAAAAAAAAAAAAAAAAAAAEAAABQAAAAAAAAAAAA4D8AAAAAAADgPwAAAAAAAOA/AAAAAAAA4D8AAAAAAADgPwAAAAAAAOA/AAAAAAAA4D8AAAAAAADgPwAAAAAAAOA/AAAAAAAA4D8CAAAAjAAAAAAAAAAAAAAAu+DjDP///wgAAAAAAAAAAAAAAAAAAAAAAAAAAAAAAAAAAAAAZAAAAAEAAABAAAAAAAAAAAAAAAAAAAAAAAAAAAAAAAAAAAAAAAAAAAAAAAAAAAAAAAAAAAAAAAAAAAAAAAAAAAAAAAAAAAAAAAAAAAAAAAAAAAAAAAAAAAAAAAAAAAAAFAAAADwAAAAAAAAAAAAAAAAAAAkUAAAAAQAAABQAAAAUAAAAFAAAAAEAAAAAAAAAZAAAAGQAAAAAAAAAZAAAAGQAAAAVAAAAYAAAAAAAAAAAAAAADwAAACADAAAAAAAAAAAAAAEAAACgMgAAVgcAAKr4//8BAAAAf39/AAEAAABkAAAAAAAAABQAAABAHwAAAAAAACYAAAAAAAAAwOD//wAAAAAmAAAAZAAAABYAAABMAAAAAAAAAAAAAAAEAAAAAAAAAAEAAACAgIAKAAAAACgAAAAoAAAAZAAAAGQAAAAAAAAAzMzMAAAAAABQAAAAUAAAAGQAAABkAAAAAAAAABcAAAAUAAAAAAAAAAAAAAD/fwAA/38AAAAAAAAJAAAABAAAAAAAAAAeAAAAaAAAAAAAAAAAAAAAAAAAAAAAAAAAAAAAECcAABAnAAAAAAAAAAAAAAAAAAAAAAAAAAAAAAAAAAAAAAAAAAAAABQAAAAAAAAAwMD/AAAAAABkAAAAMgAAAAAAAABkAAAAAAAAAH9/fwAKAAAAIgAAABgAAAAAAAAAAAAAAAAAAAAAAAAAAAAAAAAAAAAkAAAAJAAAAAAAAAAHAAAAAAAAAAAAAAAAAAAAAAAAAAAAAAAAAAAAf39/ACUAAABYAAAAAAAAAAAAAAAAAAAAAAAAAAAAAAAAAAAAAAAAAAAAAAAAAAAAAAAAAAAAAAA/AAAAAAAAAKCGAQAAAAAAAAAAAAAAAAAMAAAAAQAAAAAAAAAAAAAAAAAAAB8AAABUAAAAAAAABQAAAAEAAAAAAAAAAAAAAAAAAAAAAAAAAAAAAAAAAAAAAAAAAAAAAAJ/f38AAAAAA8zMzADAwP8Af39/AAAAAAAAAAAAAAAAAAAAAAAAAAAAIQAAABgAAAAUAAAAOAQAALgaAAD4JQAACDQAABAAAAAmAAAACAAAAP//////////MAAAABQAAAAAAAAAAAD//wAAAQAAAP//AAABAA=="/>
               </a:ext>
             </a:extLst>
           </p:cNvSpPr>
@@ -526,7 +526,7 @@
             <a:spLocks noGrp="1" noChangeArrowheads="1"/>
             <a:extLst>
               <a:ext uri="smNativeData">
-                <pr:smNativeData xmlns="smNativeData" xmlns:pr="smNativeData" xmlns:p15="http://schemas.microsoft.com/office/powerpoint/2012/main" xmlns:p14="http://schemas.microsoft.com/office/powerpoint/2010/main" xmlns:mc="http://schemas.openxmlformats.org/markup-compatibility/2006" val="SMDATA_16_xzE7ZxMAAAAlAAAAZAAAAA8BAAAAkAAAAEgAAACQAAAASAAAAAAAAAACAAAAAAAAAAEAAABQAAAAAAAAAAAA4D8AAAAAAADgPwAAAAAAAOA/AAAAAAAA4D8AAAAAAADgPwAAAAAAAOA/AAAAAAAA4D8AAAAAAADgPwAAAAAAAOA/AAAAAAAA4D8CAAAAjAAAAAAAAAAAAAAAu+DjDP///wgAAAAAAAAAAAAAAAAAAAAAAAAAAAAAAAAAAAAAZAAAAAEAAABAAAAAAAAAAAAAAAAAAAAAAAAAAAAAAAAAAAAAAAAAAAAAAAAAAAAAAAAAAAAAAAAAAAAAAAAAAAAAAAAAAAAAAAAAAAAAAAAAAAAAAAAAAAAAAAAAAAAAFAAAADwAAAAAAAAAAAAAAAAAAAkUAAAAAQAAABQAAAAUAAAAFAAAAAEAAAAAAAAAZAAAAGQAAAAAAAAAZAAAAGQAAAAVAAAAYAAAAAAAAAAAAAAADwAAACADAAAAAAAAAAAAAAEAAACgMgAAVgcAAKr4//8BAAAAf39/AAEAAABkAAAAAAAAABQAAABAHwAAAAAAACYAAAAAAAAAwOD//wAAAAAmAAAAZAAAABYAAABMAAAAAAAAAAAAAAAEAAAAAAAAAAEAAACAgIAKAAAAACgAAAAoAAAAZAAAAGQAAAAAAAAAzMzMAAAAAABQAAAAUAAAAGQAAABkAAAAAAAAABcAAAAUAAAAAAAAAAAAAAD/fwAA/38AAAAAAAAJAAAABAAAAAAAAAAeAAAAaAAAAAAAAAAAAAAAAAAAAAAAAAAAAAAAECcAABAnAAAAAAAAAAAAAAAAAAAAAAAAAAAAAAAAAAAAAAAAAAAAABQAAAAAAAAAwMD/AAAAAABkAAAAMgAAAAAAAABkAAAAAAAAAH9/fwAKAAAAIgAAABgAAAAAAAAAAAAAAAAAAAAAAAAAAAAAAAAAAAAkAAAAJAAAAAAAAAAHAAAAAAAAAAAAAAAAAAAAAAAAAAAAAAAAAAAAf39/ACUAAABYAAAAAAAAAAAAAAAAAAAAAAAAAAAAAAAAAAAAAAAAAAAAAAAAAAAAAAAAAAAAAAA/AAAAAAAAAKCGAQAAAAAAAAAAAAAAAAAMAAAAAQAAAAAAAAAAAAAAAAAAAB8AAABUAAAAAAAABQAAAAEAAAAAAAAAAAAAAAAAAAAAAAAAAAAAAAAAAAAAAAAAAAAAAAJ/f38AAAAAA8zMzADAwP8Af39/AAAAAAAAAAAAAAAAAAAAAAAAAAAAIQAAABgAAAAUAAAAAAAAAHA1AABIEgAAQDgAABAAAAAmAAAACAAAAP//////////MAAAABQAAAAAAAAAAAD//wAAAQAAAP//AAABAA=="/>
+                <pr:smNativeData xmlns:mc="http://schemas.openxmlformats.org/markup-compatibility/2006" xmlns:p14="http://schemas.microsoft.com/office/powerpoint/2010/main" xmlns:p15="http://schemas.microsoft.com/office/powerpoint/2012/main" xmlns:pr="smNativeData" xmlns="smNativeData" val="SMDATA_16_xzE7ZxMAAAAlAAAAZAAAAA8BAAAAkAAAAEgAAACQAAAASAAAAAAAAAACAAAAAAAAAAEAAABQAAAAAAAAAAAA4D8AAAAAAADgPwAAAAAAAOA/AAAAAAAA4D8AAAAAAADgPwAAAAAAAOA/AAAAAAAA4D8AAAAAAADgPwAAAAAAAOA/AAAAAAAA4D8CAAAAjAAAAAAAAAAAAAAAu+DjDP///wgAAAAAAAAAAAAAAAAAAAAAAAAAAAAAAAAAAAAAZAAAAAEAAABAAAAAAAAAAAAAAAAAAAAAAAAAAAAAAAAAAAAAAAAAAAAAAAAAAAAAAAAAAAAAAAAAAAAAAAAAAAAAAAAAAAAAAAAAAAAAAAAAAAAAAAAAAAAAAAAAAAAAFAAAADwAAAAAAAAAAAAAAAAAAAkUAAAAAQAAABQAAAAUAAAAFAAAAAEAAAAAAAAAZAAAAGQAAAAAAAAAZAAAAGQAAAAVAAAAYAAAAAAAAAAAAAAADwAAACADAAAAAAAAAAAAAAEAAACgMgAAVgcAAKr4//8BAAAAf39/AAEAAABkAAAAAAAAABQAAABAHwAAAAAAACYAAAAAAAAAwOD//wAAAAAmAAAAZAAAABYAAABMAAAAAAAAAAAAAAAEAAAAAAAAAAEAAACAgIAKAAAAACgAAAAoAAAAZAAAAGQAAAAAAAAAzMzMAAAAAABQAAAAUAAAAGQAAABkAAAAAAAAABcAAAAUAAAAAAAAAAAAAAD/fwAA/38AAAAAAAAJAAAABAAAAAAAAAAeAAAAaAAAAAAAAAAAAAAAAAAAAAAAAAAAAAAAECcAABAnAAAAAAAAAAAAAAAAAAAAAAAAAAAAAAAAAAAAAAAAAAAAABQAAAAAAAAAwMD/AAAAAABkAAAAMgAAAAAAAABkAAAAAAAAAH9/fwAKAAAAIgAAABgAAAAAAAAAAAAAAAAAAAAAAAAAAAAAAAAAAAAkAAAAJAAAAAAAAAAHAAAAAAAAAAAAAAAAAAAAAAAAAAAAAAAAAAAAf39/ACUAAABYAAAAAAAAAAAAAAAAAAAAAAAAAAAAAAAAAAAAAAAAAAAAAAAAAAAAAAAAAAAAAAA/AAAAAAAAAKCGAQAAAAAAAAAAAAAAAAAMAAAAAQAAAAAAAAAAAAAAAAAAAB8AAABUAAAAAAAABQAAAAEAAAAAAAAAAAAAAAAAAAAAAAAAAAAAAAAAAAAAAAAAAAAAAAJ/f38AAAAAA8zMzADAwP8Af39/AAAAAAAAAAAAAAAAAAAAAAAAAAAAIQAAABgAAAAUAAAAAAAAAHA1AABIEgAAQDgAABAAAAAmAAAACAAAAP//////////MAAAABQAAAAAAAAAAAD//wAAAQAAAP//AAABAA=="/>
               </a:ext>
             </a:extLst>
           </p:cNvSpPr>
@@ -598,7 +598,7 @@
             <a:spLocks noGrp="1" noChangeArrowheads="1"/>
             <a:extLst>
               <a:ext uri="smNativeData">
-                <pr:smNativeData xmlns="smNativeData" xmlns:pr="smNativeData" xmlns:p15="http://schemas.microsoft.com/office/powerpoint/2012/main" xmlns:p14="http://schemas.microsoft.com/office/powerpoint/2010/main" xmlns:mc="http://schemas.openxmlformats.org/markup-compatibility/2006" val="SMDATA_16_xzE7ZxMAAAAlAAAAZAAAAA8BAAAAkAAAAEgAAACQAAAASAAAAAAAAAACAAAAAAAAAAEAAABQAAAAAAAAAAAA4D8AAAAAAADgPwAAAAAAAOA/AAAAAAAA4D8AAAAAAADgPwAAAAAAAOA/AAAAAAAA4D8AAAAAAADgPwAAAAAAAOA/AAAAAAAA4D8CAAAAjAAAAAAAAAAAAAAAu+DjDP///wgAAAAAAAAAAAAAAAAAAAAAAAAAAAAAAAAAAAAAZAAAAAEAAABAAAAAAAAAAAAAAAAAAAAAAAAAAAAAAAAAAAAAAAAAAAAAAAAAAAAAAAAAAAAAAAAAAAAAAAAAAAAAAAAAAAAAAAAAAAAAAAAAAAAAAAAAAAAAAAAAAAAAFAAAADwAAAAAAAAAAAAAAAAAAAkUAAAAAQAAABQAAAAUAAAAFAAAAAEAAAAAAAAAZAAAAGQAAAAAAAAAZAAAAGQAAAAVAAAAYAAAAAAAAAAAAAAADwAAACADAAAAAAAAAAAAAAEAAACgMgAAVgcAAKr4//8BAAAAf39/AAEAAABkAAAAAAAAABQAAABAHwAAAAAAACYAAAAAAAAAwOD//wAAAAAmAAAAZAAAABYAAABMAAAAAAAAAAAAAAAEAAAAAAAAAAEAAACAgIAKAAAAACgAAAAoAAAAZAAAAGQAAAAAAAAAzMzMAAAAAABQAAAAUAAAAGQAAABkAAAAAAAAABcAAAAUAAAAAAAAAAAAAAD/fwAA/38AAAAAAAAJAAAABAAAAAAAAAAeAAAAaAAAAAAAAAAAAAAAAAAAAAAAAAAAAAAAECcAABAnAAAAAAAAAAAAAAAAAAAAAAAAAAAAAAAAAAAAAAAAAAAAABQAAAAAAAAAwMD/AAAAAABkAAAAMgAAAAAAAABkAAAAAAAAAH9/fwAKAAAAIgAAABgAAAAAAAAAAAAAAAAAAAAAAAAAAAAAAAAAAAAkAAAAJAAAAAAAAAAHAAAAAAAAAAAAAAAAAAAAAAAAAAAAAAAAAAAAf39/ACUAAABYAAAAAAAAAAAAAAAAAAAAAAAAAAAAAAAAAAAAAAAAAAAAAAAAAAAAAAAAAAAAAAA/AAAAAAAAAKCGAQAAAAAAAAAAAAAAAAAMAAAAAQAAAAAAAAAAAAAAAAAAAB8AAABUAAAAAAAABQAAAAEAAAAAAAAAAAAAAAAAAAAAAAAAAAAAAAAAAAAAAAAAAAAAAAJ/f38AAAAAA8zMzADAwP8Af39/AAAAAAAAAAAAAAAAAAAAAAAAAAAAIQAAABgAAAAUAAAA6BcAAHA1AAAwKgAAQDgAABAAAAAmAAAACAAAAP//////////MAAAABQAAAAAAAAAAAD//wAAAQAAAP//AAABAA=="/>
+                <pr:smNativeData xmlns:mc="http://schemas.openxmlformats.org/markup-compatibility/2006" xmlns:p14="http://schemas.microsoft.com/office/powerpoint/2010/main" xmlns:p15="http://schemas.microsoft.com/office/powerpoint/2012/main" xmlns:pr="smNativeData" xmlns="smNativeData" val="SMDATA_16_xzE7ZxMAAAAlAAAAZAAAAA8BAAAAkAAAAEgAAACQAAAASAAAAAAAAAACAAAAAAAAAAEAAABQAAAAAAAAAAAA4D8AAAAAAADgPwAAAAAAAOA/AAAAAAAA4D8AAAAAAADgPwAAAAAAAOA/AAAAAAAA4D8AAAAAAADgPwAAAAAAAOA/AAAAAAAA4D8CAAAAjAAAAAAAAAAAAAAAu+DjDP///wgAAAAAAAAAAAAAAAAAAAAAAAAAAAAAAAAAAAAAZAAAAAEAAABAAAAAAAAAAAAAAAAAAAAAAAAAAAAAAAAAAAAAAAAAAAAAAAAAAAAAAAAAAAAAAAAAAAAAAAAAAAAAAAAAAAAAAAAAAAAAAAAAAAAAAAAAAAAAAAAAAAAAFAAAADwAAAAAAAAAAAAAAAAAAAkUAAAAAQAAABQAAAAUAAAAFAAAAAEAAAAAAAAAZAAAAGQAAAAAAAAAZAAAAGQAAAAVAAAAYAAAAAAAAAAAAAAADwAAACADAAAAAAAAAAAAAAEAAACgMgAAVgcAAKr4//8BAAAAf39/AAEAAABkAAAAAAAAABQAAABAHwAAAAAAACYAAAAAAAAAwOD//wAAAAAmAAAAZAAAABYAAABMAAAAAAAAAAAAAAAEAAAAAAAAAAEAAACAgIAKAAAAACgAAAAoAAAAZAAAAGQAAAAAAAAAzMzMAAAAAABQAAAAUAAAAGQAAABkAAAAAAAAABcAAAAUAAAAAAAAAAAAAAD/fwAA/38AAAAAAAAJAAAABAAAAAAAAAAeAAAAaAAAAAAAAAAAAAAAAAAAAAAAAAAAAAAAECcAABAnAAAAAAAAAAAAAAAAAAAAAAAAAAAAAAAAAAAAAAAAAAAAABQAAAAAAAAAwMD/AAAAAABkAAAAMgAAAAAAAABkAAAAAAAAAH9/fwAKAAAAIgAAABgAAAAAAAAAAAAAAAAAAAAAAAAAAAAAAAAAAAAkAAAAJAAAAAAAAAAHAAAAAAAAAAAAAAAAAAAAAAAAAAAAAAAAAAAAf39/ACUAAABYAAAAAAAAAAAAAAAAAAAAAAAAAAAAAAAAAAAAAAAAAAAAAAAAAAAAAAAAAAAAAAA/AAAAAAAAAKCGAQAAAAAAAAAAAAAAAAAMAAAAAQAAAAAAAAAAAAAAAAAAAB8AAABUAAAAAAAABQAAAAEAAAAAAAAAAAAAAAAAAAAAAAAAAAAAAAAAAAAAAAAAAAAAAAJ/f38AAAAAA8zMzADAwP8Af39/AAAAAAAAAAAAAAAAAAAAAAAAAAAAIQAAABgAAAAUAAAA6BcAAHA1AAAwKgAAQDgAABAAAAAmAAAACAAAAP//////////MAAAABQAAAAAAAAAAAD//wAAAQAAAP//AAABAA=="/>
               </a:ext>
             </a:extLst>
           </p:cNvSpPr>
@@ -905,7 +905,7 @@
             <a:spLocks noGrp="1" noRot="1" noChangeAspect="1" noChangeArrowheads="1"/>
             <a:extLst>
               <a:ext uri="smNativeData">
-                <pr:smNativeData xmlns="smNativeData" xmlns:pr="smNativeData" xmlns:p15="http://schemas.microsoft.com/office/powerpoint/2012/main" xmlns:p14="http://schemas.microsoft.com/office/powerpoint/2010/main" xmlns:mc="http://schemas.openxmlformats.org/markup-compatibility/2006" val="SMDATA_16_xzE7ZxMAAAAlAAAAZAAAAA8BAAAAkAAAAEgAAACQAAAASAAAAAAAAAABAAAAAAAAAAEAAABQAAAAAAAAAAAA4D8AAAAAAADgPwAAAAAAAOA/AAAAAAAA4D8AAAAAAADgPwAAAAAAAOA/AAAAAAAA4D8AAAAAAADgPwAAAAAAAOA/AAAAAAAA4D8CAAAAjAAAAAEAAAAAAAAARHLEDP///wgAAAAAAAAAAAAAAAAAAAAAAAAAAAAAAAAAAAAAZAAAAAEAAABAAAAAAAAAAAAAAAAAAAAAAAAAAAAAAAAAAAAAAAAAAAAAAAAAAAAAAAAAAAAAAAAAAAAAAAAAAAAAAAAAAAAAAAAAAAAAAAAAAAAAAAAAAAAAAAAAAAAAFAAAADwAAAABAAAAAAAAAAAAAAkUAAAAAQAAABQAAAAUAAAAFAAAAAEAAAAAAAAAZAAAAGQAAAAAAAAAZAAAAGQAAAAVAAAAYAAAAAAAAAAAAAAADwAAACADAAAAAAAAAAAAAAEAAACgMgAAVgcAAKr4//8BAAAAf39/AAEAAABkAAAAAAAAABQAAABAHwAAAAAAACYAAAAAAAAAwOD//wAAAAAmAAAAZAAAABYAAABMAAAAAAAAAAAAAAAEAAAAAAAAAAEAAADn5uYKAAAAACgAAAAoAAAAZAAAAGQAAAAAAAAAzMzMAAAAAABQAAAAUAAAAGQAAABkAAAAAAAAABcAAAAUAAAAAAAAAAAAAAD/fwAA/38AAAAAAAAJAAAABAAAAAAAAAAeAAAAaAAAAAAAAAAAAAAAAAAAAAAAAAAAAAAAECcAABAnAAAAAAAAAAAAAAAAAAAAAAAAAAAAAAAAAAAAAAAAAAAAABQAAAAAAAAAwMD/AAAAAABkAAAAMgAAAAAAAABkAAAAAAAAAH9/fwAKAAAAIgAAABgAAAAAAAAAAAAAAAAAAAAAAAAAAAAAAAAAAAAkAAAAJAAAAAAAAAAHAAAAAAAAAAAAAAAAAAAAAAAAAAAAAAAAAAAAf39/ACUAAABYAAAAAAAAAAAAAAAAAAAAAAAAAAAAAAAAAAAAAAAAAAAAAAAAAAAAAAAAAAAAAAA/AAAAAAAAAKCGAQAAAAAAAAAAAAAAAAAMAAAAAQAAAAAAAAAAAAAAAAAAAB8AAABUAAAAAAAABQAAAAEAAAAAAAAAAAAAAAAAAAAAAAAAAAAAAAAAAAAAAAAAAAAAAAJ/f38AAAAAA8zMzADAwP8Af39/AAAAAAAAAAAAAAAAAAAAAAAAAAAAIQAAABgAAAAUAAAACAcAADgEAAAoIwAAUBkAABAAAAAmAAAACAAAAP////8AAAAAMAAAABQAAAAAAAAAAAD//wAAAQAAAP//AAABAA=="/>
+                <pr:smNativeData xmlns:mc="http://schemas.openxmlformats.org/markup-compatibility/2006" xmlns:p14="http://schemas.microsoft.com/office/powerpoint/2010/main" xmlns:p15="http://schemas.microsoft.com/office/powerpoint/2012/main" xmlns:pr="smNativeData" xmlns="smNativeData" val="SMDATA_16_xzE7ZxMAAAAlAAAAZAAAAA8BAAAAkAAAAEgAAACQAAAASAAAAAAAAAABAAAAAAAAAAEAAABQAAAAAAAAAAAA4D8AAAAAAADgPwAAAAAAAOA/AAAAAAAA4D8AAAAAAADgPwAAAAAAAOA/AAAAAAAA4D8AAAAAAADgPwAAAAAAAOA/AAAAAAAA4D8CAAAAjAAAAAEAAAAAAAAARHLEDP///wgAAAAAAAAAAAAAAAAAAAAAAAAAAAAAAAAAAAAAZAAAAAEAAABAAAAAAAAAAAAAAAAAAAAAAAAAAAAAAAAAAAAAAAAAAAAAAAAAAAAAAAAAAAAAAAAAAAAAAAAAAAAAAAAAAAAAAAAAAAAAAAAAAAAAAAAAAAAAAAAAAAAAFAAAADwAAAABAAAAAAAAAAAAAAkUAAAAAQAAABQAAAAUAAAAFAAAAAEAAAAAAAAAZAAAAGQAAAAAAAAAZAAAAGQAAAAVAAAAYAAAAAAAAAAAAAAADwAAACADAAAAAAAAAAAAAAEAAACgMgAAVgcAAKr4//8BAAAAf39/AAEAAABkAAAAAAAAABQAAABAHwAAAAAAACYAAAAAAAAAwOD//wAAAAAmAAAAZAAAABYAAABMAAAAAAAAAAAAAAAEAAAAAAAAAAEAAADn5uYKAAAAACgAAAAoAAAAZAAAAGQAAAAAAAAAzMzMAAAAAABQAAAAUAAAAGQAAABkAAAAAAAAABcAAAAUAAAAAAAAAAAAAAD/fwAA/38AAAAAAAAJAAAABAAAAAAAAAAeAAAAaAAAAAAAAAAAAAAAAAAAAAAAAAAAAAAAECcAABAnAAAAAAAAAAAAAAAAAAAAAAAAAAAAAAAAAAAAAAAAAAAAABQAAAAAAAAAwMD/AAAAAABkAAAAMgAAAAAAAABkAAAAAAAAAH9/fwAKAAAAIgAAABgAAAAAAAAAAAAAAAAAAAAAAAAAAAAAAAAAAAAkAAAAJAAAAAAAAAAHAAAAAAAAAAAAAAAAAAAAAAAAAAAAAAAAAAAAf39/ACUAAABYAAAAAAAAAAAAAAAAAAAAAAAAAAAAAAAAAAAAAAAAAAAAAAAAAAAAAAAAAAAAAAA/AAAAAAAAAKCGAQAAAAAAAAAAAAAAAAAMAAAAAQAAAAAAAAAAAAAAAAAAAB8AAABUAAAAAAAABQAAAAEAAAAAAAAAAAAAAAAAAAAAAAAAAAAAAAAAAAAAAAAAAAAAAAJ/f38AAAAAA8zMzADAwP8Af39/AAAAAAAAAAAAAAAAAAAAAAAAAAAAIQAAABgAAAAUAAAACAcAADgEAAAoIwAAUBkAABAAAAAmAAAACAAAAP////8AAAAAMAAAABQAAAAAAAAAAAD//wAAAQAAAP//AAABAA=="/>
               </a:ext>
             </a:extLst>
           </p:cNvSpPr>
@@ -930,7 +930,7 @@
             <a:spLocks noGrp="1" noChangeArrowheads="1"/>
             <a:extLst>
               <a:ext uri="smNativeData">
-                <pr:smNativeData xmlns="smNativeData" xmlns:pr="smNativeData" xmlns:p15="http://schemas.microsoft.com/office/powerpoint/2012/main" xmlns:p14="http://schemas.microsoft.com/office/powerpoint/2010/main" xmlns:mc="http://schemas.openxmlformats.org/markup-compatibility/2006" val="SMDATA_16_xzE7ZxMAAAAlAAAAZAAAAA8BAAAAkAAAAEgAAACQAAAASAAAAAAAAAAAAAAAAAAAAAEAAABQAAAAAAAAAAAA4D8AAAAAAADgPwAAAAAAAOA/AAAAAAAA4D8AAAAAAADgPwAAAAAAAOA/AAAAAAAA4D8AAAAAAADgPwAAAAAAAOA/AAAAAAAA4D8CAAAAjAAAAAAAAAAAAAAARHLEDP///wgAAAAAAAAAAAAAAAAAAAAAAAAAAAAAAAAAAAAAZAAAAAEAAABAAAAAAAAAAAAAAAAAAAAAAAAAAAAAAAAAAAAAAAAAAAAAAAAAAAAAAAAAAAAAAAAAAAAAAAAAAAAAAAAAAAAAAAAAAAAAAAAAAAAAAAAAAAAAAAAAAAAAFAAAADwAAAAAAAAAAAAAAAAAAAkUAAAAAQAAABQAAAAUAAAAFAAAAAEAAAAAAAAAZAAAAGQAAAAAAAAAZAAAAGQAAAAVAAAAYAAAAAAAAAAAAAAADwAAACADAAAAAAAAAAAAAAEAAACgMgAAVgcAAKr4//8BAAAAf39/AAEAAABkAAAAAAAAABQAAABAHwAAAAAAACYAAAAAAAAAwOD//wAAAAAmAAAAZAAAABYAAABMAAAAAAAAAAAAAAAEAAAAAAAAAAEAAADn5uYKAAAAACgAAAAoAAAAZAAAAGQAAAAAAAAAzMzMAAAAAABQAAAAUAAAAGQAAABkAAAAAAAAABcAAAAUAAAAAAAAAAAAAAD/fwAA/38AAAAAAAAJAAAABAAAAAAAAAAeAAAAaAAAAAAAAAAAAAAAAAAAAAAAAAAAAAAAECcAABAnAAAAAAAAAAAAAAAAAAAAAAAAAAAAAAAAAAAAAAAAAAAAABQAAAAAAAAAwMD/AAAAAABkAAAAMgAAAAAAAABkAAAAAAAAAH9/fwAKAAAAIgAAABgAAAAAAAAAAAAAAAAAAAAAAAAAAAAAAAAAAAAkAAAAJAAAAAAAAAAHAAAAAAAAAAAAAAAAAAAAAAAAAAAAAAAAAAAAf39/ACUAAABYAAAAAAAAAAAAAAAAAAAAAAAAAAAAAAAAAAAAAAAAAAAAAAAAAAAAAAAAAAAAAAA/AAAAAAAAAKCGAQAAAAAAAAAAAAAAAAAMAAAAAQAAAAAAAAAAAAAAAAAAAB8AAABUAAAAAAAABQAAAAEAAAAAAAAAAAAAAAAAAAAAAAAAAAAAAAAAAAAAAAAAAAAAAAJ/f38AAAAAA8zMzADAwP8Af39/AAAAAAAAAAAAAAAAAAAAAAAAAAAAIQAAABgAAAAUAAAAOAQAALgaAAD4JQAACDQAABAAAAAmAAAACAAAAP////8AAAAAMAAAABQAAAAAAAAAAAD//wAAAQAAAP//AAABAA=="/>
+                <pr:smNativeData xmlns:mc="http://schemas.openxmlformats.org/markup-compatibility/2006" xmlns:p14="http://schemas.microsoft.com/office/powerpoint/2010/main" xmlns:p15="http://schemas.microsoft.com/office/powerpoint/2012/main" xmlns:pr="smNativeData" xmlns="smNativeData" val="SMDATA_16_xzE7ZxMAAAAlAAAAZAAAAA8BAAAAkAAAAEgAAACQAAAASAAAAAAAAAAAAAAAAAAAAAEAAABQAAAAAAAAAAAA4D8AAAAAAADgPwAAAAAAAOA/AAAAAAAA4D8AAAAAAADgPwAAAAAAAOA/AAAAAAAA4D8AAAAAAADgPwAAAAAAAOA/AAAAAAAA4D8CAAAAjAAAAAAAAAAAAAAARHLEDP///wgAAAAAAAAAAAAAAAAAAAAAAAAAAAAAAAAAAAAAZAAAAAEAAABAAAAAAAAAAAAAAAAAAAAAAAAAAAAAAAAAAAAAAAAAAAAAAAAAAAAAAAAAAAAAAAAAAAAAAAAAAAAAAAAAAAAAAAAAAAAAAAAAAAAAAAAAAAAAAAAAAAAAFAAAADwAAAAAAAAAAAAAAAAAAAkUAAAAAQAAABQAAAAUAAAAFAAAAAEAAAAAAAAAZAAAAGQAAAAAAAAAZAAAAGQAAAAVAAAAYAAAAAAAAAAAAAAADwAAACADAAAAAAAAAAAAAAEAAACgMgAAVgcAAKr4//8BAAAAf39/AAEAAABkAAAAAAAAABQAAABAHwAAAAAAACYAAAAAAAAAwOD//wAAAAAmAAAAZAAAABYAAABMAAAAAAAAAAAAAAAEAAAAAAAAAAEAAADn5uYKAAAAACgAAAAoAAAAZAAAAGQAAAAAAAAAzMzMAAAAAABQAAAAUAAAAGQAAABkAAAAAAAAABcAAAAUAAAAAAAAAAAAAAD/fwAA/38AAAAAAAAJAAAABAAAAAAAAAAeAAAAaAAAAAAAAAAAAAAAAAAAAAAAAAAAAAAAECcAABAnAAAAAAAAAAAAAAAAAAAAAAAAAAAAAAAAAAAAAAAAAAAAABQAAAAAAAAAwMD/AAAAAABkAAAAMgAAAAAAAABkAAAAAAAAAH9/fwAKAAAAIgAAABgAAAAAAAAAAAAAAAAAAAAAAAAAAAAAAAAAAAAkAAAAJAAAAAAAAAAHAAAAAAAAAAAAAAAAAAAAAAAAAAAAAAAAAAAAf39/ACUAAABYAAAAAAAAAAAAAAAAAAAAAAAAAAAAAAAAAAAAAAAAAAAAAAAAAAAAAAAAAAAAAAA/AAAAAAAAAKCGAQAAAAAAAAAAAAAAAAAMAAAAAQAAAAAAAAAAAAAAAAAAAB8AAABUAAAAAAAABQAAAAEAAAAAAAAAAAAAAAAAAAAAAAAAAAAAAAAAAAAAAAAAAAAAAAJ/f38AAAAAA8zMzADAwP8Af39/AAAAAAAAAAAAAAAAAAAAAAAAAAAAIQAAABgAAAAUAAAAOAQAALgaAAD4JQAACDQAABAAAAAmAAAACAAAAP////8AAAAAMAAAABQAAAAAAAAAAAD//wAAAQAAAP//AAABAA=="/>
               </a:ext>
             </a:extLst>
           </p:cNvSpPr>
@@ -1002,7 +1002,7 @@
             <a:spLocks noGrp="1" noRot="1" noChangeAspect="1" noChangeArrowheads="1"/>
             <a:extLst>
               <a:ext uri="smNativeData">
-                <pr:smNativeData xmlns="smNativeData" xmlns:pr="smNativeData" xmlns:p15="http://schemas.microsoft.com/office/powerpoint/2012/main" xmlns:p14="http://schemas.microsoft.com/office/powerpoint/2010/main" xmlns:mc="http://schemas.openxmlformats.org/markup-compatibility/2006" val="SMDATA_16_xzE7ZxMAAAAlAAAAZAAAAA8BAAAAkAAAAEgAAACQAAAASAAAAAAAAAABAAAAAAAAAAEAAABQAAAAAAAAAAAA4D8AAAAAAADgPwAAAAAAAOA/AAAAAAAA4D8AAAAAAADgPwAAAAAAAOA/AAAAAAAA4D8AAAAAAADgPwAAAAAAAOA/AAAAAAAA4D8CAAAAjAAAAAEAAAAAAAAARHLEDP///wgAAAAAAAAAAAAAAAAAAAAAAAAAAAAAAAAAAAAAZAAAAAEAAABAAAAAAAAAAAAAAAAAAAAAAAAAAAAAAAAAAAAAAAAAAAAAAAAAAAAAAAAAAAAAAAAAAAAAAAAAAAAAAAAAAAAAAAAAAAAAAAAAAAAAAAAAAAAAAAAAAAAAFAAAADwAAAABAAAAAAAAAAAAAAkUAAAAAQAAABQAAAAUAAAAFAAAAAEAAAAAAAAAZAAAAGQAAAAAAAAAZAAAAGQAAAAVAAAAYAAAAAAAAAAAAAAADwAAACADAAAAAAAAAAAAAAEAAACgMgAAVgcAAKr4//8BAAAAf39/AAEAAABkAAAAAAAAABQAAABAHwAAAAAAACYAAAAAAAAAwOD//wAAAAAmAAAAZAAAABYAAABMAAAAAAAAAAAAAAAEAAAAAAAAAAEAAADn5uYKAAAAACgAAAAoAAAAZAAAAGQAAAAAAAAAzMzMAAAAAABQAAAAUAAAAGQAAABkAAAAAAAAABcAAAAUAAAAAAAAAAAAAAD/fwAA/38AAAAAAAAJAAAABAAAAAAAAAAeAAAAaAAAAAAAAAAAAAAAAAAAAAAAAAAAAAAAECcAABAnAAAAAAAAAAAAAAAAAAAAAAAAAAAAAAAAAAAAAAAAAAAAABQAAAAAAAAAwMD/AAAAAABkAAAAMgAAAAAAAABkAAAAAAAAAH9/fwAKAAAAIgAAABgAAAAAAAAAAAAAAAAAAAAAAAAAAAAAAAAAAAAkAAAAJAAAAAAAAAAHAAAAAAAAAAAAAAAAAAAAAAAAAAAAAAAAAAAAf39/ACUAAABYAAAAAAAAAAAAAAAAAAAAAAAAAAAAAAAAAAAAAAAAAAAAAAAAAAAAAAAAAAAAAAA/AAAAAAAAAKCGAQAAAAAAAAAAAAAAAAAMAAAAAQAAAAAAAAAAAAAAAAAAAB8AAABUAAAAAAAABQAAAAEAAAAAAAAAAAAAAAAAAAAAAAAAAAAAAAAAAAAAAAAAAAAAAAJ/f38AAAAAA8zMzADAwP8Af39/AAAAAAAAAAAAAAAAAAAAAAAAAAAAIQAAABgAAAAUAAAACAcAADgEAAAoIwAAUBkAABAAAAAmAAAACAAAAP////8AAAAAMAAAABQAAAAAAAAAAAD//wAAAQAAAP//AAABAA=="/>
+                <pr:smNativeData xmlns:mc="http://schemas.openxmlformats.org/markup-compatibility/2006" xmlns:p14="http://schemas.microsoft.com/office/powerpoint/2010/main" xmlns:p15="http://schemas.microsoft.com/office/powerpoint/2012/main" xmlns:pr="smNativeData" xmlns="smNativeData" val="SMDATA_16_xzE7ZxMAAAAlAAAAZAAAAA8BAAAAkAAAAEgAAACQAAAASAAAAAAAAAABAAAAAAAAAAEAAABQAAAAAAAAAAAA4D8AAAAAAADgPwAAAAAAAOA/AAAAAAAA4D8AAAAAAADgPwAAAAAAAOA/AAAAAAAA4D8AAAAAAADgPwAAAAAAAOA/AAAAAAAA4D8CAAAAjAAAAAEAAAAAAAAARHLEDP///wgAAAAAAAAAAAAAAAAAAAAAAAAAAAAAAAAAAAAAZAAAAAEAAABAAAAAAAAAAAAAAAAAAAAAAAAAAAAAAAAAAAAAAAAAAAAAAAAAAAAAAAAAAAAAAAAAAAAAAAAAAAAAAAAAAAAAAAAAAAAAAAAAAAAAAAAAAAAAAAAAAAAAFAAAADwAAAABAAAAAAAAAAAAAAkUAAAAAQAAABQAAAAUAAAAFAAAAAEAAAAAAAAAZAAAAGQAAAAAAAAAZAAAAGQAAAAVAAAAYAAAAAAAAAAAAAAADwAAACADAAAAAAAAAAAAAAEAAACgMgAAVgcAAKr4//8BAAAAf39/AAEAAABkAAAAAAAAABQAAABAHwAAAAAAACYAAAAAAAAAwOD//wAAAAAmAAAAZAAAABYAAABMAAAAAAAAAAAAAAAEAAAAAAAAAAEAAADn5uYKAAAAACgAAAAoAAAAZAAAAGQAAAAAAAAAzMzMAAAAAABQAAAAUAAAAGQAAABkAAAAAAAAABcAAAAUAAAAAAAAAAAAAAD/fwAA/38AAAAAAAAJAAAABAAAAAAAAAAeAAAAaAAAAAAAAAAAAAAAAAAAAAAAAAAAAAAAECcAABAnAAAAAAAAAAAAAAAAAAAAAAAAAAAAAAAAAAAAAAAAAAAAABQAAAAAAAAAwMD/AAAAAABkAAAAMgAAAAAAAABkAAAAAAAAAH9/fwAKAAAAIgAAABgAAAAAAAAAAAAAAAAAAAAAAAAAAAAAAAAAAAAkAAAAJAAAAAAAAAAHAAAAAAAAAAAAAAAAAAAAAAAAAAAAAAAAAAAAf39/ACUAAABYAAAAAAAAAAAAAAAAAAAAAAAAAAAAAAAAAAAAAAAAAAAAAAAAAAAAAAAAAAAAAAA/AAAAAAAAAKCGAQAAAAAAAAAAAAAAAAAMAAAAAQAAAAAAAAAAAAAAAAAAAB8AAABUAAAAAAAABQAAAAEAAAAAAAAAAAAAAAAAAAAAAAAAAAAAAAAAAAAAAAAAAAAAAAJ/f38AAAAAA8zMzADAwP8Af39/AAAAAAAAAAAAAAAAAAAAAAAAAAAAIQAAABgAAAAUAAAACAcAADgEAAAoIwAAUBkAABAAAAAmAAAACAAAAP////8AAAAAMAAAABQAAAAAAAAAAAD//wAAAQAAAP//AAABAA=="/>
               </a:ext>
             </a:extLst>
           </p:cNvSpPr>
@@ -1027,7 +1027,7 @@
             <a:spLocks noGrp="1" noChangeArrowheads="1"/>
             <a:extLst>
               <a:ext uri="smNativeData">
-                <pr:smNativeData xmlns="smNativeData" xmlns:pr="smNativeData" xmlns:p15="http://schemas.microsoft.com/office/powerpoint/2012/main" xmlns:p14="http://schemas.microsoft.com/office/powerpoint/2010/main" xmlns:mc="http://schemas.openxmlformats.org/markup-compatibility/2006" val="SMDATA_16_xzE7ZxMAAAAlAAAAZAAAAA8BAAAAkAAAAEgAAACQAAAASAAAAAAAAAAAAAAAAAAAAAEAAABQAAAAAAAAAAAA4D8AAAAAAADgPwAAAAAAAOA/AAAAAAAA4D8AAAAAAADgPwAAAAAAAOA/AAAAAAAA4D8AAAAAAADgPwAAAAAAAOA/AAAAAAAA4D8CAAAAjAAAAAAAAAAAAAAARHLEDP///wgAAAAAAAAAAAAAAAAAAAAAAAAAAAAAAAAAAAAAZAAAAAEAAABAAAAAAAAAAAAAAAAAAAAAAAAAAAAAAAAAAAAAAAAAAAAAAAAAAAAAAAAAAAAAAAAAAAAAAAAAAAAAAAAAAAAAAAAAAAAAAAAAAAAAAAAAAAAAAAAAAAAAFAAAADwAAAAAAAAAAAAAAAAAAAkUAAAAAQAAABQAAAAUAAAAFAAAAAEAAAAAAAAAZAAAAGQAAAAAAAAAZAAAAGQAAAAVAAAAYAAAAAAAAAAAAAAADwAAACADAAAAAAAAAAAAAAEAAACgMgAAVgcAAKr4//8BAAAAf39/AAEAAABkAAAAAAAAABQAAABAHwAAAAAAACYAAAAAAAAAwOD//wAAAAAmAAAAZAAAABYAAABMAAAAAAAAAAAAAAAEAAAAAAAAAAEAAADn5uYKAAAAACgAAAAoAAAAZAAAAGQAAAAAAAAAzMzMAAAAAABQAAAAUAAAAGQAAABkAAAAAAAAABcAAAAUAAAAAAAAAAAAAAD/fwAA/38AAAAAAAAJAAAABAAAAAAAAAAeAAAAaAAAAAAAAAAAAAAAAAAAAAAAAAAAAAAAECcAABAnAAAAAAAAAAAAAAAAAAAAAAAAAAAAAAAAAAAAAAAAAAAAABQAAAAAAAAAwMD/AAAAAABkAAAAMgAAAAAAAABkAAAAAAAAAH9/fwAKAAAAIgAAABgAAAAAAAAAAAAAAAAAAAAAAAAAAAAAAAAAAAAkAAAAJAAAAAAAAAAHAAAAAAAAAAAAAAAAAAAAAAAAAAAAAAAAAAAAf39/ACUAAABYAAAAAAAAAAAAAAAAAAAAAAAAAAAAAAAAAAAAAAAAAAAAAAAAAAAAAAAAAAAAAAA/AAAAAAAAAKCGAQAAAAAAAAAAAAAAAAAMAAAAAQAAAAAAAAAAAAAAAAAAAB8AAABUAAAAAAAABQAAAAEAAAAAAAAAAAAAAAAAAAAAAAAAAAAAAAAAAAAAAAAAAAAAAAJ/f38AAAAAA8zMzADAwP8Af39/AAAAAAAAAAAAAAAAAAAAAAAAAAAAIQAAABgAAAAUAAAAOAQAALgaAAD4JQAACDQAABAAAAAmAAAACAAAAP////8AAAAAMAAAABQAAAAAAAAAAAD//wAAAQAAAP//AAABAA=="/>
+                <pr:smNativeData xmlns:mc="http://schemas.openxmlformats.org/markup-compatibility/2006" xmlns:p14="http://schemas.microsoft.com/office/powerpoint/2010/main" xmlns:p15="http://schemas.microsoft.com/office/powerpoint/2012/main" xmlns:pr="smNativeData" xmlns="smNativeData" val="SMDATA_16_xzE7ZxMAAAAlAAAAZAAAAA8BAAAAkAAAAEgAAACQAAAASAAAAAAAAAAAAAAAAAAAAAEAAABQAAAAAAAAAAAA4D8AAAAAAADgPwAAAAAAAOA/AAAAAAAA4D8AAAAAAADgPwAAAAAAAOA/AAAAAAAA4D8AAAAAAADgPwAAAAAAAOA/AAAAAAAA4D8CAAAAjAAAAAAAAAAAAAAARHLEDP///wgAAAAAAAAAAAAAAAAAAAAAAAAAAAAAAAAAAAAAZAAAAAEAAABAAAAAAAAAAAAAAAAAAAAAAAAAAAAAAAAAAAAAAAAAAAAAAAAAAAAAAAAAAAAAAAAAAAAAAAAAAAAAAAAAAAAAAAAAAAAAAAAAAAAAAAAAAAAAAAAAAAAAFAAAADwAAAAAAAAAAAAAAAAAAAkUAAAAAQAAABQAAAAUAAAAFAAAAAEAAAAAAAAAZAAAAGQAAAAAAAAAZAAAAGQAAAAVAAAAYAAAAAAAAAAAAAAADwAAACADAAAAAAAAAAAAAAEAAACgMgAAVgcAAKr4//8BAAAAf39/AAEAAABkAAAAAAAAABQAAABAHwAAAAAAACYAAAAAAAAAwOD//wAAAAAmAAAAZAAAABYAAABMAAAAAAAAAAAAAAAEAAAAAAAAAAEAAADn5uYKAAAAACgAAAAoAAAAZAAAAGQAAAAAAAAAzMzMAAAAAABQAAAAUAAAAGQAAABkAAAAAAAAABcAAAAUAAAAAAAAAAAAAAD/fwAA/38AAAAAAAAJAAAABAAAAAAAAAAeAAAAaAAAAAAAAAAAAAAAAAAAAAAAAAAAAAAAECcAABAnAAAAAAAAAAAAAAAAAAAAAAAAAAAAAAAAAAAAAAAAAAAAABQAAAAAAAAAwMD/AAAAAABkAAAAMgAAAAAAAABkAAAAAAAAAH9/fwAKAAAAIgAAABgAAAAAAAAAAAAAAAAAAAAAAAAAAAAAAAAAAAAkAAAAJAAAAAAAAAAHAAAAAAAAAAAAAAAAAAAAAAAAAAAAAAAAAAAAf39/ACUAAABYAAAAAAAAAAAAAAAAAAAAAAAAAAAAAAAAAAAAAAAAAAAAAAAAAAAAAAAAAAAAAAA/AAAAAAAAAKCGAQAAAAAAAAAAAAAAAAAMAAAAAQAAAAAAAAAAAAAAAAAAAB8AAABUAAAAAAAABQAAAAEAAAAAAAAAAAAAAAAAAAAAAAAAAAAAAAAAAAAAAAAAAAAAAAJ/f38AAAAAA8zMzADAwP8Af39/AAAAAAAAAAAAAAAAAAAAAAAAAAAAIQAAABgAAAAUAAAAOAQAALgaAAD4JQAACDQAABAAAAAmAAAACAAAAP////8AAAAAMAAAABQAAAAAAAAAAAD//wAAAQAAAP//AAABAA=="/>
               </a:ext>
             </a:extLst>
           </p:cNvSpPr>
@@ -1099,7 +1099,7 @@
             <a:spLocks noGrp="1" noRot="1" noChangeAspect="1" noChangeArrowheads="1"/>
             <a:extLst>
               <a:ext uri="smNativeData">
-                <pr:smNativeData xmlns="smNativeData" xmlns:pr="smNativeData" xmlns:p15="http://schemas.microsoft.com/office/powerpoint/2012/main" xmlns:p14="http://schemas.microsoft.com/office/powerpoint/2010/main" xmlns:mc="http://schemas.openxmlformats.org/markup-compatibility/2006" val="SMDATA_16_xzE7ZxMAAAAlAAAAZAAAAA8BAAAAkAAAAEgAAACQAAAASAAAAAAAAAABAAAAAAAAAAEAAABQAAAAAAAAAAAA4D8AAAAAAADgPwAAAAAAAOA/AAAAAAAA4D8AAAAAAADgPwAAAAAAAOA/AAAAAAAA4D8AAAAAAADgPwAAAAAAAOA/AAAAAAAA4D8CAAAAjAAAAAEAAAAAAAAARHLEDP///wgAAAAAAAAAAAAAAAAAAAAAAAAAAAAAAAAAAAAAZAAAAAEAAABAAAAAAAAAAAAAAAAAAAAAAAAAAAAAAAAAAAAAAAAAAAAAAAAAAAAAAAAAAAAAAAAAAAAAAAAAAAAAAAAAAAAAAAAAAAAAAAAAAAAAAAAAAAAAAAAAAAAAFAAAADwAAAABAAAAAAAAAAAAAAkUAAAAAQAAABQAAAAUAAAAFAAAAAEAAAAAAAAAZAAAAGQAAAAAAAAAZAAAAGQAAAAVAAAAYAAAAAAAAAAAAAAADwAAACADAAAAAAAAAAAAAAEAAACgMgAAVgcAAKr4//8BAAAAf39/AAEAAABkAAAAAAAAABQAAABAHwAAAAAAACYAAAAAAAAAwOD//wAAAAAmAAAAZAAAABYAAABMAAAAAAAAAAAAAAAEAAAAAAAAAAEAAADn5uYKAAAAACgAAAAoAAAAZAAAAGQAAAAAAAAAzMzMAAAAAABQAAAAUAAAAGQAAABkAAAAAAAAABcAAAAUAAAAAAAAAAAAAAD/fwAA/38AAAAAAAAJAAAABAAAAAAAAAAeAAAAaAAAAAAAAAAAAAAAAAAAAAAAAAAAAAAAECcAABAnAAAAAAAAAAAAAAAAAAAAAAAAAAAAAAAAAAAAAAAAAAAAABQAAAAAAAAAwMD/AAAAAABkAAAAMgAAAAAAAABkAAAAAAAAAH9/fwAKAAAAIgAAABgAAAAAAAAAAAAAAAAAAAAAAAAAAAAAAAAAAAAkAAAAJAAAAAAAAAAHAAAAAAAAAAAAAAAAAAAAAAAAAAAAAAAAAAAAf39/ACUAAABYAAAAAAAAAAAAAAAAAAAAAAAAAAAAAAAAAAAAAAAAAAAAAAAAAAAAAAAAAAAAAAA/AAAAAAAAAKCGAQAAAAAAAAAAAAAAAAAMAAAAAQAAAAAAAAAAAAAAAAAAAB8AAABUAAAAAAAABQAAAAEAAAAAAAAAAAAAAAAAAAAAAAAAAAAAAAAAAAAAAAAAAAAAAAJ/f38AAAAAA8zMzADAwP8Af39/AAAAAAAAAAAAAAAAAAAAAAAAAAAAIQAAABgAAAAUAAAACAcAADgEAAAoIwAAUBkAABAAAAAmAAAACAAAAP////8AAAAAMAAAABQAAAAAAAAAAAD//wAAAQAAAP//AAABAA=="/>
+                <pr:smNativeData xmlns:mc="http://schemas.openxmlformats.org/markup-compatibility/2006" xmlns:p14="http://schemas.microsoft.com/office/powerpoint/2010/main" xmlns:p15="http://schemas.microsoft.com/office/powerpoint/2012/main" xmlns:pr="smNativeData" xmlns="smNativeData" val="SMDATA_16_xzE7ZxMAAAAlAAAAZAAAAA8BAAAAkAAAAEgAAACQAAAASAAAAAAAAAABAAAAAAAAAAEAAABQAAAAAAAAAAAA4D8AAAAAAADgPwAAAAAAAOA/AAAAAAAA4D8AAAAAAADgPwAAAAAAAOA/AAAAAAAA4D8AAAAAAADgPwAAAAAAAOA/AAAAAAAA4D8CAAAAjAAAAAEAAAAAAAAARHLEDP///wgAAAAAAAAAAAAAAAAAAAAAAAAAAAAAAAAAAAAAZAAAAAEAAABAAAAAAAAAAAAAAAAAAAAAAAAAAAAAAAAAAAAAAAAAAAAAAAAAAAAAAAAAAAAAAAAAAAAAAAAAAAAAAAAAAAAAAAAAAAAAAAAAAAAAAAAAAAAAAAAAAAAAFAAAADwAAAABAAAAAAAAAAAAAAkUAAAAAQAAABQAAAAUAAAAFAAAAAEAAAAAAAAAZAAAAGQAAAAAAAAAZAAAAGQAAAAVAAAAYAAAAAAAAAAAAAAADwAAACADAAAAAAAAAAAAAAEAAACgMgAAVgcAAKr4//8BAAAAf39/AAEAAABkAAAAAAAAABQAAABAHwAAAAAAACYAAAAAAAAAwOD//wAAAAAmAAAAZAAAABYAAABMAAAAAAAAAAAAAAAEAAAAAAAAAAEAAADn5uYKAAAAACgAAAAoAAAAZAAAAGQAAAAAAAAAzMzMAAAAAABQAAAAUAAAAGQAAABkAAAAAAAAABcAAAAUAAAAAAAAAAAAAAD/fwAA/38AAAAAAAAJAAAABAAAAAAAAAAeAAAAaAAAAAAAAAAAAAAAAAAAAAAAAAAAAAAAECcAABAnAAAAAAAAAAAAAAAAAAAAAAAAAAAAAAAAAAAAAAAAAAAAABQAAAAAAAAAwMD/AAAAAABkAAAAMgAAAAAAAABkAAAAAAAAAH9/fwAKAAAAIgAAABgAAAAAAAAAAAAAAAAAAAAAAAAAAAAAAAAAAAAkAAAAJAAAAAAAAAAHAAAAAAAAAAAAAAAAAAAAAAAAAAAAAAAAAAAAf39/ACUAAABYAAAAAAAAAAAAAAAAAAAAAAAAAAAAAAAAAAAAAAAAAAAAAAAAAAAAAAAAAAAAAAA/AAAAAAAAAKCGAQAAAAAAAAAAAAAAAAAMAAAAAQAAAAAAAAAAAAAAAAAAAB8AAABUAAAAAAAABQAAAAEAAAAAAAAAAAAAAAAAAAAAAAAAAAAAAAAAAAAAAAAAAAAAAAJ/f38AAAAAA8zMzADAwP8Af39/AAAAAAAAAAAAAAAAAAAAAAAAAAAAIQAAABgAAAAUAAAACAcAADgEAAAoIwAAUBkAABAAAAAmAAAACAAAAP////8AAAAAMAAAABQAAAAAAAAAAAD//wAAAQAAAP//AAABAA=="/>
               </a:ext>
             </a:extLst>
           </p:cNvSpPr>
@@ -1124,7 +1124,7 @@
             <a:spLocks noGrp="1" noChangeArrowheads="1"/>
             <a:extLst>
               <a:ext uri="smNativeData">
-                <pr:smNativeData xmlns="smNativeData" xmlns:pr="smNativeData" xmlns:p15="http://schemas.microsoft.com/office/powerpoint/2012/main" xmlns:p14="http://schemas.microsoft.com/office/powerpoint/2010/main" xmlns:mc="http://schemas.openxmlformats.org/markup-compatibility/2006" val="SMDATA_16_xzE7ZxMAAAAlAAAAZAAAAA8BAAAAkAAAAEgAAACQAAAASAAAAAAAAAAAAAAAAAAAAAEAAABQAAAAAAAAAAAA4D8AAAAAAADgPwAAAAAAAOA/AAAAAAAA4D8AAAAAAADgPwAAAAAAAOA/AAAAAAAA4D8AAAAAAADgPwAAAAAAAOA/AAAAAAAA4D8CAAAAjAAAAAAAAAAAAAAARHLEDP///wgAAAAAAAAAAAAAAAAAAAAAAAAAAAAAAAAAAAAAZAAAAAEAAABAAAAAAAAAAAAAAAAAAAAAAAAAAAAAAAAAAAAAAAAAAAAAAAAAAAAAAAAAAAAAAAAAAAAAAAAAAAAAAAAAAAAAAAAAAAAAAAAAAAAAAAAAAAAAAAAAAAAAFAAAADwAAAAAAAAAAAAAAAAAAAkUAAAAAQAAABQAAAAUAAAAFAAAAAEAAAAAAAAAZAAAAGQAAAAAAAAAZAAAAGQAAAAVAAAAYAAAAAAAAAAAAAAADwAAACADAAAAAAAAAAAAAAEAAACgMgAAVgcAAKr4//8BAAAAf39/AAEAAABkAAAAAAAAABQAAABAHwAAAAAAACYAAAAAAAAAwOD//wAAAAAmAAAAZAAAABYAAABMAAAAAAAAAAAAAAAEAAAAAAAAAAEAAADn5uYKAAAAACgAAAAoAAAAZAAAAGQAAAAAAAAAzMzMAAAAAABQAAAAUAAAAGQAAABkAAAAAAAAABcAAAAUAAAAAAAAAAAAAAD/fwAA/38AAAAAAAAJAAAABAAAALCOc7seAAAAaAAAAAAAAAAAAAAAAAAAAAAAAAAAAAAAECcAABAnAAAAAAAAAAAAAAAAAAAAAAAAAAAAAAAAAAAAAAAAAAAAABQAAAAAAAAAwMD/AAAAAABkAAAAMgAAAAAAAABkAAAAAAAAAH9/fwAKAAAAIgAAABgAAAAAAAAAAAAAAAAAAAAAAAAAAAAAAAAAAAAkAAAAJAAAAAAAAAAHAAAAAAAAAAAAAAAAAAAAAAAAAAAAAAAAAAAAf39/ACUAAABYAAAAAAAAAAAAAAAAAAAAAAAAAAAAAAAAAAAAAAAAAAAAAAAAAAAAAAAAAAAAAAA/AAAAAAAAAKCGAQAAAAAAAAAAAAAAAAAMAAAAAQAAAAAAAAAAAAAAAAAAAB8AAABUAAAAAAAABQAAAAEAAAAAAAAAAAAAAAAAAAAAAAAAAAAAAAAAAAAAAAAAAAAAAAJ/f38AAAAAA8zMzADAwP8Af39/AAAAAAAAAAAAAAAAAAAAAAAAAAAAIQAAABgAAAAUAAAAOAQAALgaAAD4JQAACDQAABAAAAAmAAAACAAAAP////8AAAAAMAAAABQAAAAAAAAAAAD//wAAAQAAAP//AAABAA=="/>
+                <pr:smNativeData xmlns:mc="http://schemas.openxmlformats.org/markup-compatibility/2006" xmlns:p14="http://schemas.microsoft.com/office/powerpoint/2010/main" xmlns:p15="http://schemas.microsoft.com/office/powerpoint/2012/main" xmlns:pr="smNativeData" xmlns="smNativeData" val="SMDATA_16_xzE7ZxMAAAAlAAAAZAAAAA8BAAAAkAAAAEgAAACQAAAASAAAAAAAAAAAAAAAAAAAAAEAAABQAAAAAAAAAAAA4D8AAAAAAADgPwAAAAAAAOA/AAAAAAAA4D8AAAAAAADgPwAAAAAAAOA/AAAAAAAA4D8AAAAAAADgPwAAAAAAAOA/AAAAAAAA4D8CAAAAjAAAAAAAAAAAAAAARHLEDP///wgAAAAAAAAAAAAAAAAAAAAAAAAAAAAAAAAAAAAAZAAAAAEAAABAAAAAAAAAAAAAAAAAAAAAAAAAAAAAAAAAAAAAAAAAAAAAAAAAAAAAAAAAAAAAAAAAAAAAAAAAAAAAAAAAAAAAAAAAAAAAAAAAAAAAAAAAAAAAAAAAAAAAFAAAADwAAAAAAAAAAAAAAAAAAAkUAAAAAQAAABQAAAAUAAAAFAAAAAEAAAAAAAAAZAAAAGQAAAAAAAAAZAAAAGQAAAAVAAAAYAAAAAAAAAAAAAAADwAAACADAAAAAAAAAAAAAAEAAACgMgAAVgcAAKr4//8BAAAAf39/AAEAAABkAAAAAAAAABQAAABAHwAAAAAAACYAAAAAAAAAwOD//wAAAAAmAAAAZAAAABYAAABMAAAAAAAAAAAAAAAEAAAAAAAAAAEAAADn5uYKAAAAACgAAAAoAAAAZAAAAGQAAAAAAAAAzMzMAAAAAABQAAAAUAAAAGQAAABkAAAAAAAAABcAAAAUAAAAAAAAAAAAAAD/fwAA/38AAAAAAAAJAAAABAAAALCOc7seAAAAaAAAAAAAAAAAAAAAAAAAAAAAAAAAAAAAECcAABAnAAAAAAAAAAAAAAAAAAAAAAAAAAAAAAAAAAAAAAAAAAAAABQAAAAAAAAAwMD/AAAAAABkAAAAMgAAAAAAAABkAAAAAAAAAH9/fwAKAAAAIgAAABgAAAAAAAAAAAAAAAAAAAAAAAAAAAAAAAAAAAAkAAAAJAAAAAAAAAAHAAAAAAAAAAAAAAAAAAAAAAAAAAAAAAAAAAAAf39/ACUAAABYAAAAAAAAAAAAAAAAAAAAAAAAAAAAAAAAAAAAAAAAAAAAAAAAAAAAAAAAAAAAAAA/AAAAAAAAAKCGAQAAAAAAAAAAAAAAAAAMAAAAAQAAAAAAAAAAAAAAAAAAAB8AAABUAAAAAAAABQAAAAEAAAAAAAAAAAAAAAAAAAAAAAAAAAAAAAAAAAAAAAAAAAAAAAJ/f38AAAAAA8zMzADAwP8Af39/AAAAAAAAAAAAAAAAAAAAAAAAAAAAIQAAABgAAAAUAAAAOAQAALgaAAD4JQAACDQAABAAAAAmAAAACAAAAP////8AAAAAMAAAABQAAAAAAAAAAAD//wAAAQAAAP//AAABAA=="/>
               </a:ext>
             </a:extLst>
           </p:cNvSpPr>
@@ -1196,7 +1196,7 @@
             <a:spLocks noGrp="1" noRot="1" noChangeAspect="1" noChangeArrowheads="1"/>
             <a:extLst>
               <a:ext uri="smNativeData">
-                <pr:smNativeData xmlns="smNativeData" xmlns:pr="smNativeData" xmlns:p15="http://schemas.microsoft.com/office/powerpoint/2012/main" xmlns:p14="http://schemas.microsoft.com/office/powerpoint/2010/main" xmlns:mc="http://schemas.openxmlformats.org/markup-compatibility/2006" val="SMDATA_16_xzE7ZxMAAAAlAAAAZAAAAA8BAAAAkAAAAEgAAACQAAAASAAAAAAAAAABAAAAAAAAAAEAAABQAAAAAAAAAAAA4D8AAAAAAADgPwAAAAAAAOA/AAAAAAAA4D8AAAAAAADgPwAAAAAAAOA/AAAAAAAA4D8AAAAAAADgPwAAAAAAAOA/AAAAAAAA4D8CAAAAjAAAAAEAAAAAAAAARHLEDP///wgAAAAAAAAAAAAAAAAAAAAAAAAAAAAAAAAAAAAAZAAAAAEAAABAAAAAAAAAAAAAAAAAAAAAAAAAAAAAAAAAAAAAAAAAAAAAAAAAAAAAAAAAAAAAAAAAAAAAAAAAAAAAAAAAAAAAAAAAAAAAAAAAAAAAAAAAAAAAAAAAAAAAFAAAADwAAAABAAAAAAAAAAAAAAkUAAAAAQAAABQAAAAUAAAAFAAAAAEAAAAAAAAAZAAAAGQAAAAAAAAAZAAAAGQAAAAVAAAAYAAAAAAAAAAAAAAADwAAACADAAAAAAAAAAAAAAEAAACgMgAAVgcAAKr4//8BAAAAf39/AAEAAABkAAAAAAAAABQAAABAHwAAAAAAACYAAAAAAAAAwOD//wAAAAAmAAAAZAAAABYAAABMAAAAAAAAAAAAAAAEAAAAAAAAAAEAAADn5uYKAAAAACgAAAAoAAAAZAAAAGQAAAAAAAAAzMzMAAAAAABQAAAAUAAAAGQAAABkAAAAAAAAABcAAAAUAAAAAAAAAAAAAAD/fwAA/38AAAAAAAAJAAAABAAAAAAAAAAeAAAAaAAAAAAAAAAAAAAAAAAAAAAAAAAAAAAAECcAABAnAAAAAAAAAAAAAAAAAAAAAAAAAAAAAAAAAAAAAAAAAAAAABQAAAAAAAAAwMD/AAAAAABkAAAAMgAAAAAAAABkAAAAAAAAAH9/fwAKAAAAIgAAABgAAAAAAAAAAAAAAAAAAAAAAAAAAAAAAAAAAAAkAAAAJAAAAAAAAAAHAAAAAAAAAAAAAAAAAAAAAAAAAAAAAAAAAAAAf39/ACUAAABYAAAAAAAAAAAAAAAAAAAAAAAAAAAAAAAAAAAAAAAAAAAAAAAAAAAAAAAAAAAAAAA/AAAAAAAAAKCGAQAAAAAAAAAAAAAAAAAMAAAAAQAAAAAAAAAAAAAAAAAAAB8AAABUAAAAAAAABQAAAAEAAAAAAAAAAAAAAAAAAAAAAAAAAAAAAAAAAAAAAAAAAAAAAAJ/f38AAAAAA8zMzADAwP8Af39/AAAAAAAAAAAAAAAAAAAAAAAAAAAAIQAAABgAAAAUAAAACAcAADgEAAAoIwAAUBkAABAAAAAmAAAACAAAAP////8AAAAAMAAAABQAAAAAAAAAAAD//wAAAQAAAP//AAABAA=="/>
+                <pr:smNativeData xmlns:mc="http://schemas.openxmlformats.org/markup-compatibility/2006" xmlns:p14="http://schemas.microsoft.com/office/powerpoint/2010/main" xmlns:p15="http://schemas.microsoft.com/office/powerpoint/2012/main" xmlns:pr="smNativeData" xmlns="smNativeData" val="SMDATA_16_xzE7ZxMAAAAlAAAAZAAAAA8BAAAAkAAAAEgAAACQAAAASAAAAAAAAAABAAAAAAAAAAEAAABQAAAAAAAAAAAA4D8AAAAAAADgPwAAAAAAAOA/AAAAAAAA4D8AAAAAAADgPwAAAAAAAOA/AAAAAAAA4D8AAAAAAADgPwAAAAAAAOA/AAAAAAAA4D8CAAAAjAAAAAEAAAAAAAAARHLEDP///wgAAAAAAAAAAAAAAAAAAAAAAAAAAAAAAAAAAAAAZAAAAAEAAABAAAAAAAAAAAAAAAAAAAAAAAAAAAAAAAAAAAAAAAAAAAAAAAAAAAAAAAAAAAAAAAAAAAAAAAAAAAAAAAAAAAAAAAAAAAAAAAAAAAAAAAAAAAAAAAAAAAAAFAAAADwAAAABAAAAAAAAAAAAAAkUAAAAAQAAABQAAAAUAAAAFAAAAAEAAAAAAAAAZAAAAGQAAAAAAAAAZAAAAGQAAAAVAAAAYAAAAAAAAAAAAAAADwAAACADAAAAAAAAAAAAAAEAAACgMgAAVgcAAKr4//8BAAAAf39/AAEAAABkAAAAAAAAABQAAABAHwAAAAAAACYAAAAAAAAAwOD//wAAAAAmAAAAZAAAABYAAABMAAAAAAAAAAAAAAAEAAAAAAAAAAEAAADn5uYKAAAAACgAAAAoAAAAZAAAAGQAAAAAAAAAzMzMAAAAAABQAAAAUAAAAGQAAABkAAAAAAAAABcAAAAUAAAAAAAAAAAAAAD/fwAA/38AAAAAAAAJAAAABAAAAAAAAAAeAAAAaAAAAAAAAAAAAAAAAAAAAAAAAAAAAAAAECcAABAnAAAAAAAAAAAAAAAAAAAAAAAAAAAAAAAAAAAAAAAAAAAAABQAAAAAAAAAwMD/AAAAAABkAAAAMgAAAAAAAABkAAAAAAAAAH9/fwAKAAAAIgAAABgAAAAAAAAAAAAAAAAAAAAAAAAAAAAAAAAAAAAkAAAAJAAAAAAAAAAHAAAAAAAAAAAAAAAAAAAAAAAAAAAAAAAAAAAAf39/ACUAAABYAAAAAAAAAAAAAAAAAAAAAAAAAAAAAAAAAAAAAAAAAAAAAAAAAAAAAAAAAAAAAAA/AAAAAAAAAKCGAQAAAAAAAAAAAAAAAAAMAAAAAQAAAAAAAAAAAAAAAAAAAB8AAABUAAAAAAAABQAAAAEAAAAAAAAAAAAAAAAAAAAAAAAAAAAAAAAAAAAAAAAAAAAAAAJ/f38AAAAAA8zMzADAwP8Af39/AAAAAAAAAAAAAAAAAAAAAAAAAAAAIQAAABgAAAAUAAAACAcAADgEAAAoIwAAUBkAABAAAAAmAAAACAAAAP////8AAAAAMAAAABQAAAAAAAAAAAD//wAAAQAAAP//AAABAA=="/>
               </a:ext>
             </a:extLst>
           </p:cNvSpPr>
@@ -1221,7 +1221,7 @@
             <a:spLocks noGrp="1" noChangeArrowheads="1"/>
             <a:extLst>
               <a:ext uri="smNativeData">
-                <pr:smNativeData xmlns="smNativeData" xmlns:pr="smNativeData" xmlns:p15="http://schemas.microsoft.com/office/powerpoint/2012/main" xmlns:p14="http://schemas.microsoft.com/office/powerpoint/2010/main" xmlns:mc="http://schemas.openxmlformats.org/markup-compatibility/2006" val="SMDATA_16_xzE7ZxMAAAAlAAAAZAAAAA8BAAAAkAAAAEgAAACQAAAASAAAAAAAAAAAAAAAAAAAAAEAAABQAAAAAAAAAAAA4D8AAAAAAADgPwAAAAAAAOA/AAAAAAAA4D8AAAAAAADgPwAAAAAAAOA/AAAAAAAA4D8AAAAAAADgPwAAAAAAAOA/AAAAAAAA4D8CAAAAjAAAAAAAAAAAAAAARHLEDP///wgAAAAAAAAAAAAAAAAAAAAAAAAAAAAAAAAAAAAAZAAAAAEAAABAAAAAAAAAAAAAAAAAAAAAAAAAAAAAAAAAAAAAAAAAAAAAAAAAAAAAAAAAAAAAAAAAAAAAAAAAAAAAAAAAAAAAAAAAAAAAAAAAAAAAAAAAAAAAAAAAAAAAFAAAADwAAAAAAAAAAAAAAAAAAAkUAAAAAQAAABQAAAAUAAAAFAAAAAEAAAAAAAAAZAAAAGQAAAAAAAAAZAAAAGQAAAAVAAAAYAAAAAAAAAAAAAAADwAAACADAAAAAAAAAAAAAAEAAACgMgAAVgcAAKr4//8BAAAAf39/AAEAAABkAAAAAAAAABQAAABAHwAAAAAAACYAAAAAAAAAwOD//wAAAAAmAAAAZAAAABYAAABMAAAAAAAAAAAAAAAEAAAAAAAAAAEAAADn5uYKAAAAACgAAAAoAAAAZAAAAGQAAAAAAAAAzMzMAAAAAABQAAAAUAAAAGQAAABkAAAAAAAAABcAAAAUAAAAAAAAAAAAAAD/fwAA/38AAAAAAAAJAAAABAAAAAAAAAAeAAAAaAAAAAAAAAAAAAAAAAAAAAAAAAAAAAAAECcAABAnAAAAAAAAAAAAAAAAAAAAAAAAAAAAAAAAAAAAAAAAAAAAABQAAAAAAAAAwMD/AAAAAABkAAAAMgAAAAAAAABkAAAAAAAAAH9/fwAKAAAAIgAAABgAAAAAAAAAAAAAAAAAAAAAAAAAAAAAAAAAAAAkAAAAJAAAAAAAAAAHAAAAAAAAAAAAAAAAAAAAAAAAAAAAAAAAAAAAf39/ACUAAABYAAAAAAAAAAAAAAAAAAAAAAAAAAAAAAAAAAAAAAAAAAAAAAAAAAAAAAAAAAAAAAA/AAAAAAAAAKCGAQAAAAAAAAAAAAAAAAAMAAAAAQAAAAAAAAAAAAAAAAAAAB8AAABUAAAAAAAABQAAAAEAAAAAAAAAAAAAAAAAAAAAAAAAAAAAAAAAAAAAAAAAAAAAAAJ/f38AAAAAA8zMzADAwP8Af39/AAAAAAAAAAAAAAAAAAAAAAAAAAAAIQAAABgAAAAUAAAAOAQAALgaAAD4JQAACDQAABAAAAAmAAAACAAAAP////8AAAAAMAAAABQAAAAAAAAAAAD//wAAAQAAAP//AAABAA=="/>
+                <pr:smNativeData xmlns:mc="http://schemas.openxmlformats.org/markup-compatibility/2006" xmlns:p14="http://schemas.microsoft.com/office/powerpoint/2010/main" xmlns:p15="http://schemas.microsoft.com/office/powerpoint/2012/main" xmlns:pr="smNativeData" xmlns="smNativeData" val="SMDATA_16_xzE7ZxMAAAAlAAAAZAAAAA8BAAAAkAAAAEgAAACQAAAASAAAAAAAAAAAAAAAAAAAAAEAAABQAAAAAAAAAAAA4D8AAAAAAADgPwAAAAAAAOA/AAAAAAAA4D8AAAAAAADgPwAAAAAAAOA/AAAAAAAA4D8AAAAAAADgPwAAAAAAAOA/AAAAAAAA4D8CAAAAjAAAAAAAAAAAAAAARHLEDP///wgAAAAAAAAAAAAAAAAAAAAAAAAAAAAAAAAAAAAAZAAAAAEAAABAAAAAAAAAAAAAAAAAAAAAAAAAAAAAAAAAAAAAAAAAAAAAAAAAAAAAAAAAAAAAAAAAAAAAAAAAAAAAAAAAAAAAAAAAAAAAAAAAAAAAAAAAAAAAAAAAAAAAFAAAADwAAAAAAAAAAAAAAAAAAAkUAAAAAQAAABQAAAAUAAAAFAAAAAEAAAAAAAAAZAAAAGQAAAAAAAAAZAAAAGQAAAAVAAAAYAAAAAAAAAAAAAAADwAAACADAAAAAAAAAAAAAAEAAACgMgAAVgcAAKr4//8BAAAAf39/AAEAAABkAAAAAAAAABQAAABAHwAAAAAAACYAAAAAAAAAwOD//wAAAAAmAAAAZAAAABYAAABMAAAAAAAAAAAAAAAEAAAAAAAAAAEAAADn5uYKAAAAACgAAAAoAAAAZAAAAGQAAAAAAAAAzMzMAAAAAABQAAAAUAAAAGQAAABkAAAAAAAAABcAAAAUAAAAAAAAAAAAAAD/fwAA/38AAAAAAAAJAAAABAAAAAAAAAAeAAAAaAAAAAAAAAAAAAAAAAAAAAAAAAAAAAAAECcAABAnAAAAAAAAAAAAAAAAAAAAAAAAAAAAAAAAAAAAAAAAAAAAABQAAAAAAAAAwMD/AAAAAABkAAAAMgAAAAAAAABkAAAAAAAAAH9/fwAKAAAAIgAAABgAAAAAAAAAAAAAAAAAAAAAAAAAAAAAAAAAAAAkAAAAJAAAAAAAAAAHAAAAAAAAAAAAAAAAAAAAAAAAAAAAAAAAAAAAf39/ACUAAABYAAAAAAAAAAAAAAAAAAAAAAAAAAAAAAAAAAAAAAAAAAAAAAAAAAAAAAAAAAAAAAA/AAAAAAAAAKCGAQAAAAAAAAAAAAAAAAAMAAAAAQAAAAAAAAAAAAAAAAAAAB8AAABUAAAAAAAABQAAAAEAAAAAAAAAAAAAAAAAAAAAAAAAAAAAAAAAAAAAAAAAAAAAAAJ/f38AAAAAA8zMzADAwP8Af39/AAAAAAAAAAAAAAAAAAAAAAAAAAAAIQAAABgAAAAUAAAAOAQAALgaAAD4JQAACDQAABAAAAAmAAAACAAAAP////8AAAAAMAAAABQAAAAAAAAAAAD//wAAAQAAAP//AAABAA=="/>
               </a:ext>
             </a:extLst>
           </p:cNvSpPr>
@@ -1293,7 +1293,7 @@
             <a:spLocks noGrp="1" noRot="1" noChangeAspect="1" noChangeArrowheads="1"/>
             <a:extLst>
               <a:ext uri="smNativeData">
-                <pr:smNativeData xmlns="smNativeData" xmlns:pr="smNativeData" xmlns:p15="http://schemas.microsoft.com/office/powerpoint/2012/main" xmlns:p14="http://schemas.microsoft.com/office/powerpoint/2010/main" xmlns:mc="http://schemas.openxmlformats.org/markup-compatibility/2006" val="SMDATA_16_xzE7ZxMAAAAlAAAAZAAAAA8BAAAAkAAAAEgAAACQAAAASAAAAAAAAAABAAAAAAAAAAEAAABQAAAAAAAAAAAA4D8AAAAAAADgPwAAAAAAAOA/AAAAAAAA4D8AAAAAAADgPwAAAAAAAOA/AAAAAAAA4D8AAAAAAADgPwAAAAAAAOA/AAAAAAAA4D8CAAAAjAAAAAEAAAAAAAAARHLEDP///wgAAAAAAAAAAAAAAAAAAAAAAAAAAAAAAAAAAAAAZAAAAAEAAABAAAAAAAAAAAAAAAAAAAAAAAAAAAAAAAAAAAAAAAAAAAAAAAAAAAAAAAAAAAAAAAAAAAAAAAAAAAAAAAAAAAAAAAAAAAAAAAAAAAAAAAAAAAAAAAAAAAAAFAAAADwAAAABAAAAAAAAAAAAAAkUAAAAAQAAABQAAAAUAAAAFAAAAAEAAAAAAAAAZAAAAGQAAAAAAAAAZAAAAGQAAAAVAAAAYAAAAAAAAAAAAAAADwAAACADAAAAAAAAAAAAAAEAAACgMgAAVgcAAKr4//8BAAAAf39/AAEAAABkAAAAAAAAABQAAABAHwAAAAAAACYAAAAAAAAAwOD//wAAAAAmAAAAZAAAABYAAABMAAAAAAAAAAAAAAAEAAAAAAAAAAEAAADn5uYKAAAAACgAAAAoAAAAZAAAAGQAAAAAAAAAzMzMAAAAAABQAAAAUAAAAGQAAABkAAAAAAAAABcAAAAUAAAAAAAAAAAAAAD/fwAA/38AAAAAAAAJAAAABAAAAIgAAAAeAAAAaAAAAAAAAAAAAAAAAAAAAAAAAAAAAAAAECcAABAnAAAAAAAAAAAAAAAAAAAAAAAAAAAAAAAAAAAAAAAAAAAAABQAAAAAAAAAwMD/AAAAAABkAAAAMgAAAAAAAABkAAAAAAAAAH9/fwAKAAAAIgAAABgAAAAAAAAAAAAAAAAAAAAAAAAAAAAAAAAAAAAkAAAAJAAAAAAAAAAHAAAAAAAAAAAAAAAAAAAAAAAAAAAAAAAAAAAAf39/ACUAAABYAAAAAAAAAAAAAAAAAAAAAAAAAAAAAAAAAAAAAAAAAAAAAAAAAAAAAAAAAAAAAAA/AAAAAAAAAKCGAQAAAAAAAAAAAAAAAAAMAAAAAQAAAAAAAAAAAAAAAAAAAB8AAABUAAAAAAAABQAAAAEAAAAAAAAAAAAAAAAAAAAAAAAAAAAAAAAAAAAAAAAAAAAAAAJ/f38AAAAAA8zMzADAwP8Af39/AAAAAAAAAAAAAAAAAAAAAAAAAAAAIQAAABgAAAAUAAAACAcAADgEAAAoIwAAUBkAABAAAAAmAAAACAAAAP////8AAAAAMAAAABQAAAAAAAAAAAD//wAAAQAAAP//AAABAA=="/>
+                <pr:smNativeData xmlns:mc="http://schemas.openxmlformats.org/markup-compatibility/2006" xmlns:p14="http://schemas.microsoft.com/office/powerpoint/2010/main" xmlns:p15="http://schemas.microsoft.com/office/powerpoint/2012/main" xmlns:pr="smNativeData" xmlns="smNativeData" val="SMDATA_16_xzE7ZxMAAAAlAAAAZAAAAA8BAAAAkAAAAEgAAACQAAAASAAAAAAAAAABAAAAAAAAAAEAAABQAAAAAAAAAAAA4D8AAAAAAADgPwAAAAAAAOA/AAAAAAAA4D8AAAAAAADgPwAAAAAAAOA/AAAAAAAA4D8AAAAAAADgPwAAAAAAAOA/AAAAAAAA4D8CAAAAjAAAAAEAAAAAAAAARHLEDP///wgAAAAAAAAAAAAAAAAAAAAAAAAAAAAAAAAAAAAAZAAAAAEAAABAAAAAAAAAAAAAAAAAAAAAAAAAAAAAAAAAAAAAAAAAAAAAAAAAAAAAAAAAAAAAAAAAAAAAAAAAAAAAAAAAAAAAAAAAAAAAAAAAAAAAAAAAAAAAAAAAAAAAFAAAADwAAAABAAAAAAAAAAAAAAkUAAAAAQAAABQAAAAUAAAAFAAAAAEAAAAAAAAAZAAAAGQAAAAAAAAAZAAAAGQAAAAVAAAAYAAAAAAAAAAAAAAADwAAACADAAAAAAAAAAAAAAEAAACgMgAAVgcAAKr4//8BAAAAf39/AAEAAABkAAAAAAAAABQAAABAHwAAAAAAACYAAAAAAAAAwOD//wAAAAAmAAAAZAAAABYAAABMAAAAAAAAAAAAAAAEAAAAAAAAAAEAAADn5uYKAAAAACgAAAAoAAAAZAAAAGQAAAAAAAAAzMzMAAAAAABQAAAAUAAAAGQAAABkAAAAAAAAABcAAAAUAAAAAAAAAAAAAAD/fwAA/38AAAAAAAAJAAAABAAAAIgAAAAeAAAAaAAAAAAAAAAAAAAAAAAAAAAAAAAAAAAAECcAABAnAAAAAAAAAAAAAAAAAAAAAAAAAAAAAAAAAAAAAAAAAAAAABQAAAAAAAAAwMD/AAAAAABkAAAAMgAAAAAAAABkAAAAAAAAAH9/fwAKAAAAIgAAABgAAAAAAAAAAAAAAAAAAAAAAAAAAAAAAAAAAAAkAAAAJAAAAAAAAAAHAAAAAAAAAAAAAAAAAAAAAAAAAAAAAAAAAAAAf39/ACUAAABYAAAAAAAAAAAAAAAAAAAAAAAAAAAAAAAAAAAAAAAAAAAAAAAAAAAAAAAAAAAAAAA/AAAAAAAAAKCGAQAAAAAAAAAAAAAAAAAMAAAAAQAAAAAAAAAAAAAAAAAAAB8AAABUAAAAAAAABQAAAAEAAAAAAAAAAAAAAAAAAAAAAAAAAAAAAAAAAAAAAAAAAAAAAAJ/f38AAAAAA8zMzADAwP8Af39/AAAAAAAAAAAAAAAAAAAAAAAAAAAAIQAAABgAAAAUAAAACAcAADgEAAAoIwAAUBkAABAAAAAmAAAACAAAAP////8AAAAAMAAAABQAAAAAAAAAAAD//wAAAQAAAP//AAABAA=="/>
               </a:ext>
             </a:extLst>
           </p:cNvSpPr>
@@ -1318,7 +1318,7 @@
             <a:spLocks noGrp="1" noChangeArrowheads="1"/>
             <a:extLst>
               <a:ext uri="smNativeData">
-                <pr:smNativeData xmlns="smNativeData" xmlns:pr="smNativeData" xmlns:p15="http://schemas.microsoft.com/office/powerpoint/2012/main" xmlns:p14="http://schemas.microsoft.com/office/powerpoint/2010/main" xmlns:mc="http://schemas.openxmlformats.org/markup-compatibility/2006" val="SMDATA_16_xzE7ZxMAAAAlAAAAZAAAAA8BAAAAkAAAAEgAAACQAAAASAAAAAAAAAAAAAAAAAAAAAEAAABQAAAAAAAAAAAA4D8AAAAAAADgPwAAAAAAAOA/AAAAAAAA4D8AAAAAAADgPwAAAAAAAOA/AAAAAAAA4D8AAAAAAADgPwAAAAAAAOA/AAAAAAAA4D8CAAAAjAAAAAAAAAAAAAAARHLEDP///wgAAAAAAAAAAAAAAAAAAAAAAAAAAAAAAAAAAAAAZAAAAAEAAABAAAAAAAAAAAAAAAAAAAAAAAAAAAAAAAAAAAAAAAAAAAAAAAAAAAAAAAAAAAAAAAAAAAAAAAAAAAAAAAAAAAAAAAAAAAAAAAAAAAAAAAAAAAAAAAAAAAAAFAAAADwAAAAAAAAAAAAAAAAAAAkUAAAAAQAAABQAAAAUAAAAFAAAAAEAAAAAAAAAZAAAAGQAAAAAAAAAZAAAAGQAAAAVAAAAYAAAAAAAAAAAAAAADwAAACADAAAAAAAAAAAAAAEAAACgMgAAVgcAAKr4//8BAAAAf39/AAEAAABkAAAAAAAAABQAAABAHwAAAAAAACYAAAAAAAAAwOD//wAAAAAmAAAAZAAAABYAAABMAAAAAAAAAAAAAAAEAAAAAAAAAAEAAADn5uYKAAAAACgAAAAoAAAAZAAAAGQAAAAAAAAAzMzMAAAAAABQAAAAUAAAAGQAAABkAAAAAAAAABcAAAAUAAAAAAAAAAAAAAD/fwAA/38AAAAAAAAJAAAABAAAAOYAAAAeAAAAaAAAAAAAAAAAAAAAAAAAAAAAAAAAAAAAECcAABAnAAAAAAAAAAAAAAAAAAAAAAAAAAAAAAAAAAAAAAAAAAAAABQAAAAAAAAAwMD/AAAAAABkAAAAMgAAAAAAAABkAAAAAAAAAH9/fwAKAAAAIgAAABgAAAAAAAAAAAAAAAAAAAAAAAAAAAAAAAAAAAAkAAAAJAAAAAAAAAAHAAAAAAAAAAAAAAAAAAAAAAAAAAAAAAAAAAAAf39/ACUAAABYAAAAAAAAAAAAAAAAAAAAAAAAAAAAAAAAAAAAAAAAAAAAAAAAAAAAAAAAAAAAAAA/AAAAAAAAAKCGAQAAAAAAAAAAAAAAAAAMAAAAAQAAAAAAAAAAAAAAAAAAAB8AAABUAAAAAAAABQAAAAEAAAAAAAAAAAAAAAAAAAAAAAAAAAAAAAAAAAAAAAAAAAAAAAJ/f38AAAAAA8zMzADAwP8Af39/AAAAAAAAAAAAAAAAAAAAAAAAAAAAIQAAABgAAAAUAAAAOAQAALgaAAD4JQAACDQAABAAAAAmAAAACAAAAP////8AAAAAMAAAABQAAAAAAAAAAAD//wAAAQAAAP//AAABAA=="/>
+                <pr:smNativeData xmlns:mc="http://schemas.openxmlformats.org/markup-compatibility/2006" xmlns:p14="http://schemas.microsoft.com/office/powerpoint/2010/main" xmlns:p15="http://schemas.microsoft.com/office/powerpoint/2012/main" xmlns:pr="smNativeData" xmlns="smNativeData" val="SMDATA_16_xzE7ZxMAAAAlAAAAZAAAAA8BAAAAkAAAAEgAAACQAAAASAAAAAAAAAAAAAAAAAAAAAEAAABQAAAAAAAAAAAA4D8AAAAAAADgPwAAAAAAAOA/AAAAAAAA4D8AAAAAAADgPwAAAAAAAOA/AAAAAAAA4D8AAAAAAADgPwAAAAAAAOA/AAAAAAAA4D8CAAAAjAAAAAAAAAAAAAAARHLEDP///wgAAAAAAAAAAAAAAAAAAAAAAAAAAAAAAAAAAAAAZAAAAAEAAABAAAAAAAAAAAAAAAAAAAAAAAAAAAAAAAAAAAAAAAAAAAAAAAAAAAAAAAAAAAAAAAAAAAAAAAAAAAAAAAAAAAAAAAAAAAAAAAAAAAAAAAAAAAAAAAAAAAAAFAAAADwAAAAAAAAAAAAAAAAAAAkUAAAAAQAAABQAAAAUAAAAFAAAAAEAAAAAAAAAZAAAAGQAAAAAAAAAZAAAAGQAAAAVAAAAYAAAAAAAAAAAAAAADwAAACADAAAAAAAAAAAAAAEAAACgMgAAVgcAAKr4//8BAAAAf39/AAEAAABkAAAAAAAAABQAAABAHwAAAAAAACYAAAAAAAAAwOD//wAAAAAmAAAAZAAAABYAAABMAAAAAAAAAAAAAAAEAAAAAAAAAAEAAADn5uYKAAAAACgAAAAoAAAAZAAAAGQAAAAAAAAAzMzMAAAAAABQAAAAUAAAAGQAAABkAAAAAAAAABcAAAAUAAAAAAAAAAAAAAD/fwAA/38AAAAAAAAJAAAABAAAAOYAAAAeAAAAaAAAAAAAAAAAAAAAAAAAAAAAAAAAAAAAECcAABAnAAAAAAAAAAAAAAAAAAAAAAAAAAAAAAAAAAAAAAAAAAAAABQAAAAAAAAAwMD/AAAAAABkAAAAMgAAAAAAAABkAAAAAAAAAH9/fwAKAAAAIgAAABgAAAAAAAAAAAAAAAAAAAAAAAAAAAAAAAAAAAAkAAAAJAAAAAAAAAAHAAAAAAAAAAAAAAAAAAAAAAAAAAAAAAAAAAAAf39/ACUAAABYAAAAAAAAAAAAAAAAAAAAAAAAAAAAAAAAAAAAAAAAAAAAAAAAAAAAAAAAAAAAAAA/AAAAAAAAAKCGAQAAAAAAAAAAAAAAAAAMAAAAAQAAAAAAAAAAAAAAAAAAAB8AAABUAAAAAAAABQAAAAEAAAAAAAAAAAAAAAAAAAAAAAAAAAAAAAAAAAAAAAAAAAAAAAJ/f38AAAAAA8zMzADAwP8Af39/AAAAAAAAAAAAAAAAAAAAAAAAAAAAIQAAABgAAAAUAAAAOAQAALgaAAD4JQAACDQAABAAAAAmAAAACAAAAP////8AAAAAMAAAABQAAAAAAAAAAAD//wAAAQAAAP//AAABAA=="/>
               </a:ext>
             </a:extLst>
           </p:cNvSpPr>
@@ -1382,7 +1382,7 @@
             <a:spLocks noGrp="1" noChangeArrowheads="1"/>
             <a:extLst>
               <a:ext uri="smNativeData">
-                <pr:smNativeData xmlns="smNativeData" xmlns:pr="smNativeData" xmlns:p15="http://schemas.microsoft.com/office/powerpoint/2012/main" xmlns:p14="http://schemas.microsoft.com/office/powerpoint/2010/main" xmlns:mc="http://schemas.openxmlformats.org/markup-compatibility/2006" val="SMDATA_16_xzE7ZxMAAAAlAAAAZAAAAA0AAAAAkAAAAEgAAACQAAAASAAAAAAAAAACAAAAAAAAAAEAAABQAAAAAAAAAAAA4D8AAAAAAADgPwAAAAAAAOA/AAAAAAAA4D8AAAAAAADgPwAAAAAAAOA/AAAAAAAA4D8AAAAAAADgPwAAAAAAAOA/AAAAAAAA4D8CAAAAjAAAAAAAAAAAAAAARHLEDP///wgAAAAAAAAAAAAAAAAAAAAAAAAAAAAAAAAAAAAAZAAAAAEAAABAAAAAAAAAAAAAAAAAAAAAAAAAAAAAAAAAAAAAAAAAAAAAAAAAAAAAAAAAAAAAAAAAAAAAAAAAAAAAAAAAAAAAAAAAAAAAAAAAAAAAAAAAAAAAAAAAAAAAFAAAADwAAAAAAAAAAAAAAAAAAAkUAAAAAQAAABQAAAAUAAAAFAAAAAEAAAAAAAAAZAAAAGQAAAAAAAAAZAAAAGQAAAAVAAAAYAAAAAAAAAAAAAAADwAAACADAAAAAAAAAAAAAAEAAACgMgAAVgcAAKr4//8BAAAAf39/AAEAAABkAAAAAAAAABQAAABAHwAAAAAAACYAAAAAAAAAwOD//wAAAAAmAAAAZAAAABYAAABMAAAAAAAAAAAAAAAEAAAAAAAAAAEAAADn5uYKAAAAACgAAAAoAAAAZAAAAGQAAAAAAAAAzMzMAAAAAABQAAAAUAAAAGQAAABkAAAAAAAAABcAAAAUAAAAAAAAAAAAAAD/fwAA/38AAAAAAAAJAAAABAAAAAAAAAAeAAAAaAAAAAAAAAAAAAAAAAAAAAAAAAAAAAAAECcAABAnAAAAAAAAAAAAAAAAAAAAAAAAAAAAAAAAAAAAAAAAAAAAABQAAAAAAAAAwMD/AAAAAABkAAAAMgAAAAAAAABkAAAAAAAAAH9/fwAKAAAAIgAAABgAAAAAAAAAAAAAAAAAAAAAAAAAAAAAAAAAAAAkAAAAJAAAAAAAAAAHAAAAAAAAAAAAAAAAAAAAAAAAAAAAAAAAAAAAf39/ACUAAABYAAAAAAAAAAAAAAAAAAAAAAAAAAAAAAAAAAAAAAAAAAAAAAAAAAAAAAAAAAAAAAA/AAAAAAAAAKCGAQAAAAAAAAAAAAAAAAAMAAAAAQAAAAAAAAAAAAAAAAAAAB8AAABUAAAAAAAABQAAAAEAAAAAAAAAAAAAAAAAAAAAAAAAAAAAAAAAAAAAAAAAAAAAAAJ/f38AAAAAA8zMzADAwP8Af39/AAAAAAAAAAAAAAAAAAAAAAAAAAAAIQAAABgAAAAUAAAAYAkAAOgGAACgQQAAmBUAABAAAAAmAAAACAAAAIGAAAAAAAAAMAAAABQAAAAAAAAAAAD//wAAAQAAAP//AAABAA=="/>
+                <pr:smNativeData xmlns:mc="http://schemas.openxmlformats.org/markup-compatibility/2006" xmlns:p14="http://schemas.microsoft.com/office/powerpoint/2010/main" xmlns:p15="http://schemas.microsoft.com/office/powerpoint/2012/main" xmlns:pr="smNativeData" xmlns="smNativeData" val="SMDATA_16_xzE7ZxMAAAAlAAAAZAAAAA0AAAAAkAAAAEgAAACQAAAASAAAAAAAAAACAAAAAAAAAAEAAABQAAAAAAAAAAAA4D8AAAAAAADgPwAAAAAAAOA/AAAAAAAA4D8AAAAAAADgPwAAAAAAAOA/AAAAAAAA4D8AAAAAAADgPwAAAAAAAOA/AAAAAAAA4D8CAAAAjAAAAAAAAAAAAAAARHLEDP///wgAAAAAAAAAAAAAAAAAAAAAAAAAAAAAAAAAAAAAZAAAAAEAAABAAAAAAAAAAAAAAAAAAAAAAAAAAAAAAAAAAAAAAAAAAAAAAAAAAAAAAAAAAAAAAAAAAAAAAAAAAAAAAAAAAAAAAAAAAAAAAAAAAAAAAAAAAAAAAAAAAAAAFAAAADwAAAAAAAAAAAAAAAAAAAkUAAAAAQAAABQAAAAUAAAAFAAAAAEAAAAAAAAAZAAAAGQAAAAAAAAAZAAAAGQAAAAVAAAAYAAAAAAAAAAAAAAADwAAACADAAAAAAAAAAAAAAEAAACgMgAAVgcAAKr4//8BAAAAf39/AAEAAABkAAAAAAAAABQAAABAHwAAAAAAACYAAAAAAAAAwOD//wAAAAAmAAAAZAAAABYAAABMAAAAAAAAAAAAAAAEAAAAAAAAAAEAAADn5uYKAAAAACgAAAAoAAAAZAAAAGQAAAAAAAAAzMzMAAAAAABQAAAAUAAAAGQAAABkAAAAAAAAABcAAAAUAAAAAAAAAAAAAAD/fwAA/38AAAAAAAAJAAAABAAAAAAAAAAeAAAAaAAAAAAAAAAAAAAAAAAAAAAAAAAAAAAAECcAABAnAAAAAAAAAAAAAAAAAAAAAAAAAAAAAAAAAAAAAAAAAAAAABQAAAAAAAAAwMD/AAAAAABkAAAAMgAAAAAAAABkAAAAAAAAAH9/fwAKAAAAIgAAABgAAAAAAAAAAAAAAAAAAAAAAAAAAAAAAAAAAAAkAAAAJAAAAAAAAAAHAAAAAAAAAAAAAAAAAAAAAAAAAAAAAAAAAAAAf39/ACUAAABYAAAAAAAAAAAAAAAAAAAAAAAAAAAAAAAAAAAAAAAAAAAAAAAAAAAAAAAAAAAAAAA/AAAAAAAAAKCGAQAAAAAAAAAAAAAAAAAMAAAAAQAAAAAAAAAAAAAAAAAAAB8AAABUAAAAAAAABQAAAAEAAAAAAAAAAAAAAAAAAAAAAAAAAAAAAAAAAAAAAAAAAAAAAAJ/f38AAAAAA8zMzADAwP8Af39/AAAAAAAAAAAAAAAAAAAAAAAAAAAAIQAAABgAAAAUAAAAYAkAAOgGAACgQQAAmBUAABAAAAAmAAAACAAAAIGAAAAAAAAAMAAAABQAAAAAAAAAAAD//wAAAQAAAP//AAABAA=="/>
               </a:ext>
             </a:extLst>
           </p:cNvSpPr>
@@ -1448,7 +1448,7 @@
             <a:spLocks noGrp="1" noChangeArrowheads="1"/>
             <a:extLst>
               <a:ext uri="smNativeData">
-                <pr:smNativeData xmlns="smNativeData" xmlns:pr="smNativeData" xmlns:p15="http://schemas.microsoft.com/office/powerpoint/2012/main" xmlns:p14="http://schemas.microsoft.com/office/powerpoint/2010/main" xmlns:mc="http://schemas.openxmlformats.org/markup-compatibility/2006" val="SMDATA_16_xzE7ZxMAAAAlAAAAZAAAAA0AAAAAkAAAAEgAAACQAAAASAAAAAAAAAAAAAAAAAAAAAEAAABQAAAAAAAAAAAA4D8AAAAAAADgPwAAAAAAAOA/AAAAAAAA4D8AAAAAAADgPwAAAAAAAOA/AAAAAAAA4D8AAAAAAADgPwAAAAAAAOA/AAAAAAAA4D8CAAAAjAAAAAAAAAAAAAAARHLEDP///wgAAAAAAAAAAAAAAAAAAAAAAAAAAAAAAAAAAAAAZAAAAAEAAABAAAAAAAAAAAAAAAAAAAAAAAAAAAAAAAAAAAAAAAAAAAAAAAAAAAAAAAAAAAAAAAAAAAAAAAAAAAAAAAAAAAAAAAAAAAAAAAAAAAAAAAAAAAAAAAAAAAAAFAAAADwAAAAAAAAAAAAAAAAAAAkUAAAAAQAAABQAAAAUAAAAFAAAAAEAAAAAAAAAZAAAAGQAAAAAAAAAZAAAAGQAAAAVAAAAYAAAAAAAAAAAAAAADwAAACADAAAAAAAAAAAAAAEAAACgMgAAVgcAAKr4//8BAAAAf39/AAEAAABkAAAAAAAAABQAAABAHwAAAAAAACYAAAAAAAAAwOD//wAAAAAmAAAAZAAAABYAAABMAAAAAAAAAAAAAAAEAAAAAAAAAAEAAADn5uYKAAAAACgAAAAoAAAAZAAAAGQAAAAAAAAAzMzMAAAAAABQAAAAUAAAAGQAAABkAAAAAAAAABcAAAAUAAAAAAAAAAAAAAD/fwAA/38AAAAAAAAJAAAABAAAAHiYZxAeAAAAaAAAAAAAAAAAAAAAAAAAAAAAAAAAAAAAECcAABAnAAAAAAAAAAAAAAAAAAAAAAAAAAAAAAAAAAAAAAAAAAAAABQAAAAAAAAAwMD/AAAAAABkAAAAMgAAAAAAAABkAAAAAAAAAH9/fwAKAAAAIgAAABgAAAAAAAAAAAAAAAAAAAAAAAAAAAAAAAAAAAAkAAAAJAAAAAAAAAAHAAAAAAAAAAAAAAAAAAAAAAAAAAAAAAAAAAAAf39/ACUAAABYAAAAAAAAAAAAAAAAAAAAAAAAAAAAAAAAAAAAAAAAAAAAAAAAAAAAAAAAAAAAAAA/AAAAAAAAAKCGAQAAAAAAAAAAAAAAAAAMAAAAAQAAAAAAAAAAAAAAAAAAAB8AAABUAAAAAAAABQAAAAEAAAAAAAAAAAAAAAAAAAAAAAAAAAAAAAAAAAAAAAAAAAAAAAJ/f38AAAAAA8zMzADAwP8Af39/AAAAAAAAAAAAAAAAAAAAAAAAAAAAIQAAABgAAAAUAAAAYAkAACkWAACgQQAAWCAAABAAAAAmAAAACAAAAAGAAAAAAAAAMAAAABQAAAAAAAAAAAD//wAAAQAAAP//AAABAA=="/>
+                <pr:smNativeData xmlns:mc="http://schemas.openxmlformats.org/markup-compatibility/2006" xmlns:p14="http://schemas.microsoft.com/office/powerpoint/2010/main" xmlns:p15="http://schemas.microsoft.com/office/powerpoint/2012/main" xmlns:pr="smNativeData" xmlns="smNativeData" val="SMDATA_16_xzE7ZxMAAAAlAAAAZAAAAA0AAAAAkAAAAEgAAACQAAAASAAAAAAAAAAAAAAAAAAAAAEAAABQAAAAAAAAAAAA4D8AAAAAAADgPwAAAAAAAOA/AAAAAAAA4D8AAAAAAADgPwAAAAAAAOA/AAAAAAAA4D8AAAAAAADgPwAAAAAAAOA/AAAAAAAA4D8CAAAAjAAAAAAAAAAAAAAARHLEDP///wgAAAAAAAAAAAAAAAAAAAAAAAAAAAAAAAAAAAAAZAAAAAEAAABAAAAAAAAAAAAAAAAAAAAAAAAAAAAAAAAAAAAAAAAAAAAAAAAAAAAAAAAAAAAAAAAAAAAAAAAAAAAAAAAAAAAAAAAAAAAAAAAAAAAAAAAAAAAAAAAAAAAAFAAAADwAAAAAAAAAAAAAAAAAAAkUAAAAAQAAABQAAAAUAAAAFAAAAAEAAAAAAAAAZAAAAGQAAAAAAAAAZAAAAGQAAAAVAAAAYAAAAAAAAAAAAAAADwAAACADAAAAAAAAAAAAAAEAAACgMgAAVgcAAKr4//8BAAAAf39/AAEAAABkAAAAAAAAABQAAABAHwAAAAAAACYAAAAAAAAAwOD//wAAAAAmAAAAZAAAABYAAABMAAAAAAAAAAAAAAAEAAAAAAAAAAEAAADn5uYKAAAAACgAAAAoAAAAZAAAAGQAAAAAAAAAzMzMAAAAAABQAAAAUAAAAGQAAABkAAAAAAAAABcAAAAUAAAAAAAAAAAAAAD/fwAA/38AAAAAAAAJAAAABAAAAHiYZxAeAAAAaAAAAAAAAAAAAAAAAAAAAAAAAAAAAAAAECcAABAnAAAAAAAAAAAAAAAAAAAAAAAAAAAAAAAAAAAAAAAAAAAAABQAAAAAAAAAwMD/AAAAAABkAAAAMgAAAAAAAABkAAAAAAAAAH9/fwAKAAAAIgAAABgAAAAAAAAAAAAAAAAAAAAAAAAAAAAAAAAAAAAkAAAAJAAAAAAAAAAHAAAAAAAAAAAAAAAAAAAAAAAAAAAAAAAAAAAAf39/ACUAAABYAAAAAAAAAAAAAAAAAAAAAAAAAAAAAAAAAAAAAAAAAAAAAAAAAAAAAAAAAAAAAAA/AAAAAAAAAKCGAQAAAAAAAAAAAAAAAAAMAAAAAQAAAAAAAAAAAAAAAAAAAB8AAABUAAAAAAAABQAAAAEAAAAAAAAAAAAAAAAAAAAAAAAAAAAAAAAAAAAAAAAAAAAAAAJ/f38AAAAAA8zMzADAwP8Af39/AAAAAAAAAAAAAAAAAAAAAAAAAAAAIQAAABgAAAAUAAAAYAkAACkWAACgQQAAWCAAABAAAAAmAAAACAAAAAGAAAAAAAAAMAAAABQAAAAAAAAAAAD//wAAAQAAAP//AAABAA=="/>
               </a:ext>
             </a:extLst>
           </p:cNvSpPr>
@@ -1519,7 +1519,7 @@
             <a:spLocks noGrp="1" noChangeArrowheads="1"/>
             <a:extLst>
               <a:ext uri="smNativeData">
-                <pr:smNativeData xmlns="smNativeData" xmlns:pr="smNativeData" xmlns:p15="http://schemas.microsoft.com/office/powerpoint/2012/main" xmlns:p14="http://schemas.microsoft.com/office/powerpoint/2010/main" xmlns:mc="http://schemas.openxmlformats.org/markup-compatibility/2006" val="SMDATA_16_xzE7ZxMAAAAlAAAAZAAAAA0AAAAAkAAAAEgAAACQAAAASAAAAAAAAAABAAAAAAAAAAEAAABQAAAAAAAAAAAA4D8AAAAAAADgPwAAAAAAAOA/AAAAAAAA4D8AAAAAAADgPwAAAAAAAOA/AAAAAAAA4D8AAAAAAADgPwAAAAAAAOA/AAAAAAAA4D8CAAAAjAAAAAAAAAAAAAAARHLEDP///wgAAAAAAAAAAAAAAAAAAAAAAAAAAAAAAAAAAAAAZAAAAAEAAABAAAAAAAAAAAAAAAAAAAAAAAAAAAAAAAAAAAAAAAAAAAAAAAAAAAAAAAAAAAAAAAAAAAAAAAAAAAAAAAAAAAAAAAAAAAAAAAAAAAAAAAAAAAAAAAAAAAAAFAAAADwAAAAAAAAAAAAAAAAAAAkUAAAAAQAAABQAAAAUAAAAFAAAAAEAAAAAAAAAZAAAAGQAAAAAAAAAZAAAAGQAAAAVAAAAYAAAAAAAAAAAAAAADwAAACADAAAAAAAAAAAAAAEAAACgMgAAVgcAAKr4//8BAAAAf39/AAEAAABkAAAAAAAAABQAAABAHwAAAAAAACYAAAAAAAAAwOD//wAAAAAmAAAAZAAAABYAAABMAAAAAAAAAAAAAAAEAAAAAAAAAAEAAADn5uYKAAAAACgAAAAoAAAAZAAAAGQAAAAAAAAAzMzMAAAAAABQAAAAUAAAAGQAAABkAAAAAAAAABcAAAAUAAAAAAAAAAAAAAD/fwAA/38AAAAAAAAJAAAABAAAAAAAAAAeAAAAaAAAAAAAAAAAAAAAAAAAAAAAAAAAAAAAECcAABAnAAAAAAAAAAAAAAAAAAAAAAAAAAAAAAAAAAAAAAAAAAAAABQAAAAAAAAAwMD/AAAAAABkAAAAMgAAAAAAAABkAAAAAAAAAH9/fwAKAAAAIgAAABgAAAAAAAAAAAAAAAAAAAAAAAAAAAAAAAAAAAAkAAAAJAAAAAAAAAAHAAAAAAAAAAAAAAAAAAAAAAAAAAAAAAAAAAAAf39/ACUAAABYAAAAAAAAAAAAAAAAAAAAAAAAAAAAAAAAAAAAAAAAAAAAAAAAAAAAAAAAAAAAAAA/AAAAAAAAAKCGAQAAAAAAAAAAAAAAAAAMAAAAAQAAAAAAAAAAAAAAAAAAAB8AAABUAAAAAAAABQAAAAEAAAAAAAAAAAAAAAAAAAAAAAAAAAAAAAAAAAAAAAAAAAAAAAJ/f38AAAAAA8zMzADAwP8Af39/AAAAAAAAAAAAAAAAAAAAAAAAAAAAIQAAABgAAAAUAAAAKAUAABonAAAIFgAAWSkAABAAAAAmAAAACAAAAAAAAAAAAAAAMAAAABQAAAAAAAAAAAD//wAAAQAAAP//AAABAA=="/>
+                <pr:smNativeData xmlns:mc="http://schemas.openxmlformats.org/markup-compatibility/2006" xmlns:p14="http://schemas.microsoft.com/office/powerpoint/2010/main" xmlns:p15="http://schemas.microsoft.com/office/powerpoint/2012/main" xmlns:pr="smNativeData" xmlns="smNativeData" val="SMDATA_16_xzE7ZxMAAAAlAAAAZAAAAA0AAAAAkAAAAEgAAACQAAAASAAAAAAAAAABAAAAAAAAAAEAAABQAAAAAAAAAAAA4D8AAAAAAADgPwAAAAAAAOA/AAAAAAAA4D8AAAAAAADgPwAAAAAAAOA/AAAAAAAA4D8AAAAAAADgPwAAAAAAAOA/AAAAAAAA4D8CAAAAjAAAAAAAAAAAAAAARHLEDP///wgAAAAAAAAAAAAAAAAAAAAAAAAAAAAAAAAAAAAAZAAAAAEAAABAAAAAAAAAAAAAAAAAAAAAAAAAAAAAAAAAAAAAAAAAAAAAAAAAAAAAAAAAAAAAAAAAAAAAAAAAAAAAAAAAAAAAAAAAAAAAAAAAAAAAAAAAAAAAAAAAAAAAFAAAADwAAAAAAAAAAAAAAAAAAAkUAAAAAQAAABQAAAAUAAAAFAAAAAEAAAAAAAAAZAAAAGQAAAAAAAAAZAAAAGQAAAAVAAAAYAAAAAAAAAAAAAAADwAAACADAAAAAAAAAAAAAAEAAACgMgAAVgcAAKr4//8BAAAAf39/AAEAAABkAAAAAAAAABQAAABAHwAAAAAAACYAAAAAAAAAwOD//wAAAAAmAAAAZAAAABYAAABMAAAAAAAAAAAAAAAEAAAAAAAAAAEAAADn5uYKAAAAACgAAAAoAAAAZAAAAGQAAAAAAAAAzMzMAAAAAABQAAAAUAAAAGQAAABkAAAAAAAAABcAAAAUAAAAAAAAAAAAAAD/fwAA/38AAAAAAAAJAAAABAAAAAAAAAAeAAAAaAAAAAAAAAAAAAAAAAAAAAAAAAAAAAAAECcAABAnAAAAAAAAAAAAAAAAAAAAAAAAAAAAAAAAAAAAAAAAAAAAABQAAAAAAAAAwMD/AAAAAABkAAAAMgAAAAAAAABkAAAAAAAAAH9/fwAKAAAAIgAAABgAAAAAAAAAAAAAAAAAAAAAAAAAAAAAAAAAAAAkAAAAJAAAAAAAAAAHAAAAAAAAAAAAAAAAAAAAAAAAAAAAAAAAAAAAf39/ACUAAABYAAAAAAAAAAAAAAAAAAAAAAAAAAAAAAAAAAAAAAAAAAAAAAAAAAAAAAAAAAAAAAA/AAAAAAAAAKCGAQAAAAAAAAAAAAAAAAAMAAAAAQAAAAAAAAAAAAAAAAAAAB8AAABUAAAAAAAABQAAAAEAAAAAAAAAAAAAAAAAAAAAAAAAAAAAAAAAAAAAAAAAAAAAAAJ/f38AAAAAA8zMzADAwP8Af39/AAAAAAAAAAAAAAAAAAAAAAAAAAAAIQAAABgAAAAUAAAAKAUAABonAAAIFgAAWSkAABAAAAAmAAAACAAAAAAAAAAAAAAAMAAAABQAAAAAAAAAAAD//wAAAQAAAP//AAABAA=="/>
               </a:ext>
             </a:extLst>
           </p:cNvSpPr>
@@ -1549,7 +1549,7 @@
             <a:spLocks noGrp="1" noChangeArrowheads="1"/>
             <a:extLst>
               <a:ext uri="smNativeData">
-                <pr:smNativeData xmlns="smNativeData" xmlns:pr="smNativeData" xmlns:p15="http://schemas.microsoft.com/office/powerpoint/2012/main" xmlns:p14="http://schemas.microsoft.com/office/powerpoint/2010/main" xmlns:mc="http://schemas.openxmlformats.org/markup-compatibility/2006" val="SMDATA_16_xzE7ZxMAAAAlAAAAZAAAAA0AAAAAkAAAAEgAAACQAAAASAAAAAAAAAABAAAAAAAAAAEAAABQAAAAAAAAAAAA4D8AAAAAAADgPwAAAAAAAOA/AAAAAAAA4D8AAAAAAADgPwAAAAAAAOA/AAAAAAAA4D8AAAAAAADgPwAAAAAAAOA/AAAAAAAA4D8CAAAAjAAAAAAAAAAAAAAARHLEDP///wgAAAAAAAAAAAAAAAAAAAAAAAAAAAAAAAAAAAAAZAAAAAEAAABAAAAAAAAAAAAAAAAAAAAAAAAAAAAAAAAAAAAAAAAAAAAAAAAAAAAAAAAAAAAAAAAAAAAAAAAAAAAAAAAAAAAAAAAAAAAAAAAAAAAAAAAAAAAAAAAAAAAAFAAAADwAAAAAAAAAAAAAAAAAAAkUAAAAAQAAABQAAAAUAAAAFAAAAAEAAAAAAAAAZAAAAGQAAAAAAAAAZAAAAGQAAAAVAAAAYAAAAAAAAAAAAAAADwAAACADAAAAAAAAAAAAAAEAAACgMgAAVgcAAKr4//8BAAAAf39/AAEAAABkAAAAAAAAABQAAABAHwAAAAAAACYAAAAAAAAAwOD//wAAAAAmAAAAZAAAABYAAABMAAAAAAAAAAAAAAAEAAAAAAAAAAEAAADn5uYKAAAAACgAAAAoAAAAZAAAAGQAAAAAAAAAzMzMAAAAAABQAAAAUAAAAGQAAABkAAAAAAAAABcAAAAUAAAAAAAAAAAAAAD/fwAA/38AAAAAAAAJAAAABAAAAGwAZQAeAAAAaAAAAAAAAAAAAAAAAAAAAAAAAAAAAAAAECcAABAnAAAAAAAAAAAAAAAAAAAAAAAAAAAAAAAAAAAAAAAAAAAAABQAAAAAAAAAwMD/AAAAAABkAAAAMgAAAAAAAABkAAAAAAAAAH9/fwAKAAAAIgAAABgAAAAAAAAAAAAAAAAAAAAAAAAAAAAAAAAAAAAkAAAAJAAAAAAAAAAHAAAAAAAAAAAAAAAAAAAAAAAAAAAAAAAAAAAAf39/ACUAAABYAAAAAAAAAAAAAAAAAAAAAAAAAAAAAAAAAAAAAAAAAAAAAAAAAAAAAAAAAAAAAAA/AAAAAAAAAKCGAQAAAAAAAAAAAAAAAAAMAAAAAQAAAAAAAAAAAAAAAAAAAB8AAABUAAAAAAAABQAAAAEAAAAAAAAAAAAAAAAAAAAAAAAAAAAAAAAAAAAAAAAAAAAAAAJ/f38AAAAAA8zMzADAwP8Af39/AAAAAAAAAAAAAAAAAAAAAAAAAAAAIQAAABgAAAAUAAAA2BgAABonAAAoMgAAWSkAABAAAAAmAAAACAAAAAAAAAAAAAAAMAAAABQAAAAAAAAAAAD//wAAAQAAAP//AAABAA=="/>
+                <pr:smNativeData xmlns:mc="http://schemas.openxmlformats.org/markup-compatibility/2006" xmlns:p14="http://schemas.microsoft.com/office/powerpoint/2010/main" xmlns:p15="http://schemas.microsoft.com/office/powerpoint/2012/main" xmlns:pr="smNativeData" xmlns="smNativeData" val="SMDATA_16_xzE7ZxMAAAAlAAAAZAAAAA0AAAAAkAAAAEgAAACQAAAASAAAAAAAAAABAAAAAAAAAAEAAABQAAAAAAAAAAAA4D8AAAAAAADgPwAAAAAAAOA/AAAAAAAA4D8AAAAAAADgPwAAAAAAAOA/AAAAAAAA4D8AAAAAAADgPwAAAAAAAOA/AAAAAAAA4D8CAAAAjAAAAAAAAAAAAAAARHLEDP///wgAAAAAAAAAAAAAAAAAAAAAAAAAAAAAAAAAAAAAZAAAAAEAAABAAAAAAAAAAAAAAAAAAAAAAAAAAAAAAAAAAAAAAAAAAAAAAAAAAAAAAAAAAAAAAAAAAAAAAAAAAAAAAAAAAAAAAAAAAAAAAAAAAAAAAAAAAAAAAAAAAAAAFAAAADwAAAAAAAAAAAAAAAAAAAkUAAAAAQAAABQAAAAUAAAAFAAAAAEAAAAAAAAAZAAAAGQAAAAAAAAAZAAAAGQAAAAVAAAAYAAAAAAAAAAAAAAADwAAACADAAAAAAAAAAAAAAEAAACgMgAAVgcAAKr4//8BAAAAf39/AAEAAABkAAAAAAAAABQAAABAHwAAAAAAACYAAAAAAAAAwOD//wAAAAAmAAAAZAAAABYAAABMAAAAAAAAAAAAAAAEAAAAAAAAAAEAAADn5uYKAAAAACgAAAAoAAAAZAAAAGQAAAAAAAAAzMzMAAAAAABQAAAAUAAAAGQAAABkAAAAAAAAABcAAAAUAAAAAAAAAAAAAAD/fwAA/38AAAAAAAAJAAAABAAAAGwAZQAeAAAAaAAAAAAAAAAAAAAAAAAAAAAAAAAAAAAAECcAABAnAAAAAAAAAAAAAAAAAAAAAAAAAAAAAAAAAAAAAAAAAAAAABQAAAAAAAAAwMD/AAAAAABkAAAAMgAAAAAAAABkAAAAAAAAAH9/fwAKAAAAIgAAABgAAAAAAAAAAAAAAAAAAAAAAAAAAAAAAAAAAAAkAAAAJAAAAAAAAAAHAAAAAAAAAAAAAAAAAAAAAAAAAAAAAAAAAAAAf39/ACUAAABYAAAAAAAAAAAAAAAAAAAAAAAAAAAAAAAAAAAAAAAAAAAAAAAAAAAAAAAAAAAAAAA/AAAAAAAAAKCGAQAAAAAAAAAAAAAAAAAMAAAAAQAAAAAAAAAAAAAAAAAAAB8AAABUAAAAAAAABQAAAAEAAAAAAAAAAAAAAAAAAAAAAAAAAAAAAAAAAAAAAAAAAAAAAAJ/f38AAAAAA8zMzADAwP8Af39/AAAAAAAAAAAAAAAAAAAAAAAAAAAAIQAAABgAAAAUAAAA2BgAABonAAAoMgAAWSkAABAAAAAmAAAACAAAAAAAAAAAAAAAMAAAABQAAAAAAAAAAAD//wAAAQAAAP//AAABAA=="/>
               </a:ext>
             </a:extLst>
           </p:cNvSpPr>
@@ -1576,7 +1576,7 @@
             <a:spLocks noGrp="1" noChangeArrowheads="1"/>
             <a:extLst>
               <a:ext uri="smNativeData">
-                <pr:smNativeData xmlns="smNativeData" xmlns:pr="smNativeData" xmlns:p15="http://schemas.microsoft.com/office/powerpoint/2012/main" xmlns:p14="http://schemas.microsoft.com/office/powerpoint/2010/main" xmlns:mc="http://schemas.openxmlformats.org/markup-compatibility/2006" val="SMDATA_16_xzE7ZxMAAAAlAAAAZAAAAA0AAAAAkAAAAEgAAACQAAAASAAAAAAAAAABAAAAAAAAAAEAAABQAAAAAAAAAAAA4D8AAAAAAADgPwAAAAAAAOA/AAAAAAAA4D8AAAAAAADgPwAAAAAAAOA/AAAAAAAA4D8AAAAAAADgPwAAAAAAAOA/AAAAAAAA4D8CAAAAjAAAAAAAAAAAAAAARHLEDP///wgAAAAAAAAAAAAAAAAAAAAAAAAAAAAAAAAAAAAAZAAAAAEAAABAAAAAAAAAAAAAAAAAAAAAAAAAAAAAAAAAAAAAAAAAAAAAAAAAAAAAAAAAAAAAAAAAAAAAAAAAAAAAAAAAAAAAAAAAAAAAAAAAAAAAAAAAAAAAAAAAAAAAFAAAADwAAAAAAAAAAAAAAAAAAAkUAAAAAQAAABQAAAAUAAAAFAAAAAEAAAAAAAAAZAAAAGQAAAAAAAAAZAAAAGQAAAAVAAAAYAAAAAAAAAAAAAAADwAAACADAAAAAAAAAAAAAAEAAACgMgAAVgcAAKr4//8BAAAAf39/AAEAAABkAAAAAAAAABQAAABAHwAAAAAAACYAAAAAAAAAwOD//wAAAAAmAAAAZAAAABYAAABMAAAAAAAAAAAAAAAEAAAAAAAAAAEAAADn5uYKAAAAACgAAAAoAAAAZAAAAGQAAAAAAAAAzMzMAAAAAABQAAAAUAAAAGQAAABkAAAAAAAAABcAAAAUAAAAAAAAAAAAAAD/fwAA/38AAAAAAAAJAAAABAAAAHAgGrceAAAAaAAAAAAAAAAAAAAAAAAAAAAAAAAAAAAAECcAABAnAAAAAAAAAAAAAAAAAAAAAAAAAAAAAAAAAAAAAAAAAAAAABQAAAAAAAAAwMD/AAAAAABkAAAAMgAAAAAAAABkAAAAAAAAAH9/fwAKAAAAIgAAABgAAAAAAAAAAAAAAAAAAAAAAAAAAAAAAAAAAAAkAAAAJAAAAAAAAAAHAAAAAAAAAAAAAAAAAAAAAAAAAAAAAAAAAAAAf39/ACUAAABYAAAAAAAAAAAAAAAAAAAAAAAAAAAAAAAAAAAAAAAAAAAAAAAAAAAAAAAAAAAAAAA/AAAAAAAAAKCGAQAAAAAAAAAAAAAAAAAMAAAAAQAAAAAAAAAAAAAAAAAAAB8AAABUAAAAAAAABQAAAAEAAAAAAAAAAAAAAAAAAAAAAAAAAAAAAAAAAAAAAAAAAAAAAAJ/f38AAAAAA8zMzADAwP8Af39/AAAAAAAAAAAAAAAAAAAAAAAAAAAAIQAAABgAAAAUAAAA+DQAABonAADYRQAAWSkAABAAAAAmAAAACAAAAAAAAAAAAAAAMAAAABQAAAAAAAAAAAD//wAAAQAAAP//AAABAA=="/>
+                <pr:smNativeData xmlns:mc="http://schemas.openxmlformats.org/markup-compatibility/2006" xmlns:p14="http://schemas.microsoft.com/office/powerpoint/2010/main" xmlns:p15="http://schemas.microsoft.com/office/powerpoint/2012/main" xmlns:pr="smNativeData" xmlns="smNativeData" val="SMDATA_16_xzE7ZxMAAAAlAAAAZAAAAA0AAAAAkAAAAEgAAACQAAAASAAAAAAAAAABAAAAAAAAAAEAAABQAAAAAAAAAAAA4D8AAAAAAADgPwAAAAAAAOA/AAAAAAAA4D8AAAAAAADgPwAAAAAAAOA/AAAAAAAA4D8AAAAAAADgPwAAAAAAAOA/AAAAAAAA4D8CAAAAjAAAAAAAAAAAAAAARHLEDP///wgAAAAAAAAAAAAAAAAAAAAAAAAAAAAAAAAAAAAAZAAAAAEAAABAAAAAAAAAAAAAAAAAAAAAAAAAAAAAAAAAAAAAAAAAAAAAAAAAAAAAAAAAAAAAAAAAAAAAAAAAAAAAAAAAAAAAAAAAAAAAAAAAAAAAAAAAAAAAAAAAAAAAFAAAADwAAAAAAAAAAAAAAAAAAAkUAAAAAQAAABQAAAAUAAAAFAAAAAEAAAAAAAAAZAAAAGQAAAAAAAAAZAAAAGQAAAAVAAAAYAAAAAAAAAAAAAAADwAAACADAAAAAAAAAAAAAAEAAACgMgAAVgcAAKr4//8BAAAAf39/AAEAAABkAAAAAAAAABQAAABAHwAAAAAAACYAAAAAAAAAwOD//wAAAAAmAAAAZAAAABYAAABMAAAAAAAAAAAAAAAEAAAAAAAAAAEAAADn5uYKAAAAACgAAAAoAAAAZAAAAGQAAAAAAAAAzMzMAAAAAABQAAAAUAAAAGQAAABkAAAAAAAAABcAAAAUAAAAAAAAAAAAAAD/fwAA/38AAAAAAAAJAAAABAAAAHAgGrceAAAAaAAAAAAAAAAAAAAAAAAAAAAAAAAAAAAAECcAABAnAAAAAAAAAAAAAAAAAAAAAAAAAAAAAAAAAAAAAAAAAAAAABQAAAAAAAAAwMD/AAAAAABkAAAAMgAAAAAAAABkAAAAAAAAAH9/fwAKAAAAIgAAABgAAAAAAAAAAAAAAAAAAAAAAAAAAAAAAAAAAAAkAAAAJAAAAAAAAAAHAAAAAAAAAAAAAAAAAAAAAAAAAAAAAAAAAAAAf39/ACUAAABYAAAAAAAAAAAAAAAAAAAAAAAAAAAAAAAAAAAAAAAAAAAAAAAAAAAAAAAAAAAAAAA/AAAAAAAAAKCGAQAAAAAAAAAAAAAAAAAMAAAAAQAAAAAAAAAAAAAAAAAAAB8AAABUAAAAAAAABQAAAAEAAAAAAAAAAAAAAAAAAAAAAAAAAAAAAAAAAAAAAAAAAAAAAAJ/f38AAAAAA8zMzADAwP8Af39/AAAAAAAAAAAAAAAAAAAAAAAAAAAAIQAAABgAAAAUAAAA+DQAABonAADYRQAAWSkAABAAAAAmAAAACAAAAAAAAAAAAAAAMAAAABQAAAAAAAAAAAD//wAAAQAAAP//AAABAA=="/>
               </a:ext>
             </a:extLst>
           </p:cNvSpPr>
@@ -1632,7 +1632,7 @@
             <a:spLocks noGrp="1" noChangeArrowheads="1"/>
             <a:extLst>
               <a:ext uri="smNativeData">
-                <pr:smNativeData xmlns="smNativeData" xmlns:pr="smNativeData" xmlns:p15="http://schemas.microsoft.com/office/powerpoint/2012/main" xmlns:p14="http://schemas.microsoft.com/office/powerpoint/2010/main" xmlns:mc="http://schemas.openxmlformats.org/markup-compatibility/2006" val="SMDATA_16_xzE7ZxMAAAAlAAAAZAAAAA0AAAAAkAAAAEgAAACQAAAASAAAAAAAAAABAAAAAAAAAAEAAABQAAAAAAAAAAAA4D8AAAAAAADgPwAAAAAAAOA/AAAAAAAA4D8AAAAAAADgPwAAAAAAAOA/AAAAAAAA4D8AAAAAAADgPwAAAAAAAOA/AAAAAAAA4D8CAAAAjAAAAAAAAAAAAAAARHLEDP///wgAAAAAAAAAAAAAAAAAAAAAAAAAAAAAAAAAAAAAZAAAAAEAAABAAAAAAAAAAAAAAAAAAAAAAAAAAAAAAAAAAAAAAAAAAAAAAAAAAAAAAAAAAAAAAAAAAAAAAAAAAAAAAAAAAAAAAAAAAAAAAAAAAAAAAAAAAAAAAAAAAAAAFAAAADwAAAAAAAAAAAAAAAAAAAkUAAAAAQAAABQAAAAUAAAAFAAAAAEAAAAAAAAAZAAAAGQAAAAAAAAAZAAAAGQAAAAVAAAAYAAAAAAAAAAAAAAADwAAACADAAAAAAAAAAAAAAEAAACgMgAAVgcAAKr4//8BAAAAf39/AAEAAABkAAAAAAAAABQAAABAHwAAAAAAACYAAAAAAAAAwOD//wAAAAAmAAAAZAAAABYAAABMAAAAAAAAAAAAAAAEAAAAAAAAAAEAAADn5uYKAAAAACgAAAAoAAAAZAAAAGQAAAAAAAAAzMzMAAAAAABQAAAAUAAAAGQAAABkAAAAAAAAABcAAAAUAAAAAAAAAAAAAAD/fwAA/38AAAAAAAAJAAAABAAAAAAAAAAeAAAAaAAAAAAAAAAAAAAAAAAAAAAAAAAAAAAAECcAABAnAAAAAAAAAAAAAAAAAAAAAAAAAAAAAAAAAAAAAAAAAAAAABQAAAAAAAAAwMD/AAAAAABkAAAAMgAAAAAAAABkAAAAAAAAAH9/fwAKAAAAIgAAABgAAAAAAAAAAAAAAAAAAAAAAAAAAAAAAAAAAAAkAAAAJAAAAAAAAAAHAAAAAAAAAAAAAAAAAAAAAAAAAAAAAAAAAAAAf39/ACUAAABYAAAAAAAAAAAAAAAAAAAAAAAAAAAAAAAAAAAAAAAAAAAAAAAAAAAAAAAAAAAAAAA/AAAAAAAAAKCGAQAAAAAAAAAAAAAAAAAMAAAAAQAAAAAAAAAAAAAAAAAAAB8AAABUAAAAAAAABQAAAAEAAAAAAAAAAAAAAAAAAAAAAAAAAAAAAAAAAAAAAAAAAAAAAAJ/f38AAAAAA8zMzADAwP8Af39/AAAAAAAAAAAAAAAAAAAAAAAAAAAAIQAAABgAAAAUAAAAKAUAAD8CAADYRQAAZwoAABAAAAAmAAAACAAAAAAAAAAAAAAAMAAAABQAAAAAAAAAAAD//wAAAQAAAP//AAABAA=="/>
+                <pr:smNativeData xmlns:mc="http://schemas.openxmlformats.org/markup-compatibility/2006" xmlns:p14="http://schemas.microsoft.com/office/powerpoint/2010/main" xmlns:p15="http://schemas.microsoft.com/office/powerpoint/2012/main" xmlns:pr="smNativeData" xmlns="smNativeData" val="SMDATA_16_xzE7ZxMAAAAlAAAAZAAAAA0AAAAAkAAAAEgAAACQAAAASAAAAAAAAAABAAAAAAAAAAEAAABQAAAAAAAAAAAA4D8AAAAAAADgPwAAAAAAAOA/AAAAAAAA4D8AAAAAAADgPwAAAAAAAOA/AAAAAAAA4D8AAAAAAADgPwAAAAAAAOA/AAAAAAAA4D8CAAAAjAAAAAAAAAAAAAAARHLEDP///wgAAAAAAAAAAAAAAAAAAAAAAAAAAAAAAAAAAAAAZAAAAAEAAABAAAAAAAAAAAAAAAAAAAAAAAAAAAAAAAAAAAAAAAAAAAAAAAAAAAAAAAAAAAAAAAAAAAAAAAAAAAAAAAAAAAAAAAAAAAAAAAAAAAAAAAAAAAAAAAAAAAAAFAAAADwAAAAAAAAAAAAAAAAAAAkUAAAAAQAAABQAAAAUAAAAFAAAAAEAAAAAAAAAZAAAAGQAAAAAAAAAZAAAAGQAAAAVAAAAYAAAAAAAAAAAAAAADwAAACADAAAAAAAAAAAAAAEAAACgMgAAVgcAAKr4//8BAAAAf39/AAEAAABkAAAAAAAAABQAAABAHwAAAAAAACYAAAAAAAAAwOD//wAAAAAmAAAAZAAAABYAAABMAAAAAAAAAAAAAAAEAAAAAAAAAAEAAADn5uYKAAAAACgAAAAoAAAAZAAAAGQAAAAAAAAAzMzMAAAAAABQAAAAUAAAAGQAAABkAAAAAAAAABcAAAAUAAAAAAAAAAAAAAD/fwAA/38AAAAAAAAJAAAABAAAAAAAAAAeAAAAaAAAAAAAAAAAAAAAAAAAAAAAAAAAAAAAECcAABAnAAAAAAAAAAAAAAAAAAAAAAAAAAAAAAAAAAAAAAAAAAAAABQAAAAAAAAAwMD/AAAAAABkAAAAMgAAAAAAAABkAAAAAAAAAH9/fwAKAAAAIgAAABgAAAAAAAAAAAAAAAAAAAAAAAAAAAAAAAAAAAAkAAAAJAAAAAAAAAAHAAAAAAAAAAAAAAAAAAAAAAAAAAAAAAAAAAAAf39/ACUAAABYAAAAAAAAAAAAAAAAAAAAAAAAAAAAAAAAAAAAAAAAAAAAAAAAAAAAAAAAAAAAAAA/AAAAAAAAAKCGAQAAAAAAAAAAAAAAAAAMAAAAAQAAAAAAAAAAAAAAAAAAAB8AAABUAAAAAAAABQAAAAEAAAAAAAAAAAAAAAAAAAAAAAAAAAAAAAAAAAAAAAAAAAAAAAJ/f38AAAAAA8zMzADAwP8Af39/AAAAAAAAAAAAAAAAAAAAAAAAAAAAIQAAABgAAAAUAAAAKAUAAD8CAADYRQAAZwoAABAAAAAmAAAACAAAAAAAAAAAAAAAMAAAABQAAAAAAAAAAAD//wAAAQAAAP//AAABAA=="/>
               </a:ext>
             </a:extLst>
           </p:cNvSpPr>
@@ -1661,7 +1661,7 @@
             <a:spLocks noGrp="1" noChangeArrowheads="1"/>
             <a:extLst>
               <a:ext uri="smNativeData">
-                <pr:smNativeData xmlns="smNativeData" xmlns:pr="smNativeData" xmlns:p15="http://schemas.microsoft.com/office/powerpoint/2012/main" xmlns:p14="http://schemas.microsoft.com/office/powerpoint/2010/main" xmlns:mc="http://schemas.openxmlformats.org/markup-compatibility/2006" val="SMDATA_16_xzE7ZxMAAAAlAAAAZAAAAA0AAAAAkAAAAEgAAACQAAAASAAAAAAAAAAAAAAAAQAAAAEAAABQAAAAAAAAAAAA4D8AAAAAAADgPwAAAAAAAOA/AAAAAAAA4D8AAAAAAADgPwAAAAAAAOA/AAAAAAAA4D8AAAAAAADgPwAAAAAAAOA/AAAAAAAA4D8CAAAAjAAAAAAAAAAAAAAARHLEDP///wgAAAAAAAAAAAAAAAAAAAAAAAAAAAAAAAAAAAAAZAAAAAEAAABAAAAAAAAAAAAAAAAAAAAAAAAAAAAAAAAAAAAAAAAAAAAAAAAAAAAAAAAAAAAAAAAAAAAAAAAAAAAAAAAAAAAAAAAAAAAAAAAAAAAAAAAAAAAAAAAAAAAAFAAAADwAAAAAAAAAAAAAAAAAAAkUAAAAAQAAABQAAAAUAAAAFAAAAAEAAAAAAAAAZAAAAGQAAAAAAAAAZAAAAGQAAAAVAAAAYAAAAAAAAAAAAAAADwAAACADAAAAAAAAAAAAAAEAAACgMgAAVgcAAKr4//8BAAAAf39/AAEAAABkAAAAAAAAABQAAABAHwAAAAAAACYAAAAAAAAAwOD//wAAAAAmAAAAZAAAABYAAABMAAAAAAAAAAAAAAAEAAAAAAAAAAEAAADn5uYKAAAAACgAAAAoAAAAZAAAAGQAAAAAAAAAzMzMAAAAAABQAAAAUAAAAGQAAABkAAAAAAAAABcAAAAUAAAAAAAAAAAAAAD/fwAA/38AAAAAAAAJAAAABAAAAAAAAAAeAAAAaAAAAAAAAAAAAAAAAAAAAAAAAAAAAAAAECcAABAnAAAAAAAAAAAAAAAAAAAAAAAAAAAAAAAAAAAAAAAAAAAAABQAAAAAAAAAwMD/AAAAAABkAAAAMgAAAAAAAABkAAAAAAAAAH9/fwAKAAAAIgAAABgAAAAAAAAAAAAAAAAAAAAAAAAAAAAAAAAAAAAkAAAAJAAAAAAAAAAHAAAAAAAAAAAAAAAAAAAAAAAAAAAAAAAAAAAAf39/ACUAAABYAAAAAAAAAAAAAAAAAAAAAAAAAAAAAAAAAAAAAAAAAAAAAAAAAAAAAAAAAAAAAAA/AAAAAAAAAKCGAQAAAAAAAAAAAAAAAAAMAAAAAQAAAAAAAAAAAAAAAAAAAB8AAABUAAAAAAAABQAAAAEAAAAAAAAAAAAAAAAAAAAAAAAAAAAAAAAAAAAAAAAAAAAAAAJ/f38AAAAAA8zMzADAwP8Af39/AAAAAAAAAAAAAAAAAAAAAAAAAAAAIQAAABgAAAAUAAAAKAUAADsLAADYRQAAACYAABAAAAAmAAAACAAAAAIAAAAAAAAAMAAAABQAAAAAAAAAAAD//wAAAQAAAP//AAABAA=="/>
+                <pr:smNativeData xmlns:mc="http://schemas.openxmlformats.org/markup-compatibility/2006" xmlns:p14="http://schemas.microsoft.com/office/powerpoint/2010/main" xmlns:p15="http://schemas.microsoft.com/office/powerpoint/2012/main" xmlns:pr="smNativeData" xmlns="smNativeData" val="SMDATA_16_xzE7ZxMAAAAlAAAAZAAAAA0AAAAAkAAAAEgAAACQAAAASAAAAAAAAAAAAAAAAQAAAAEAAABQAAAAAAAAAAAA4D8AAAAAAADgPwAAAAAAAOA/AAAAAAAA4D8AAAAAAADgPwAAAAAAAOA/AAAAAAAA4D8AAAAAAADgPwAAAAAAAOA/AAAAAAAA4D8CAAAAjAAAAAAAAAAAAAAARHLEDP///wgAAAAAAAAAAAAAAAAAAAAAAAAAAAAAAAAAAAAAZAAAAAEAAABAAAAAAAAAAAAAAAAAAAAAAAAAAAAAAAAAAAAAAAAAAAAAAAAAAAAAAAAAAAAAAAAAAAAAAAAAAAAAAAAAAAAAAAAAAAAAAAAAAAAAAAAAAAAAAAAAAAAAFAAAADwAAAAAAAAAAAAAAAAAAAkUAAAAAQAAABQAAAAUAAAAFAAAAAEAAAAAAAAAZAAAAGQAAAAAAAAAZAAAAGQAAAAVAAAAYAAAAAAAAAAAAAAADwAAACADAAAAAAAAAAAAAAEAAACgMgAAVgcAAKr4//8BAAAAf39/AAEAAABkAAAAAAAAABQAAABAHwAAAAAAACYAAAAAAAAAwOD//wAAAAAmAAAAZAAAABYAAABMAAAAAAAAAAAAAAAEAAAAAAAAAAEAAADn5uYKAAAAACgAAAAoAAAAZAAAAGQAAAAAAAAAzMzMAAAAAABQAAAAUAAAAGQAAABkAAAAAAAAABcAAAAUAAAAAAAAAAAAAAD/fwAA/38AAAAAAAAJAAAABAAAAAAAAAAeAAAAaAAAAAAAAAAAAAAAAAAAAAAAAAAAAAAAECcAABAnAAAAAAAAAAAAAAAAAAAAAAAAAAAAAAAAAAAAAAAAAAAAABQAAAAAAAAAwMD/AAAAAABkAAAAMgAAAAAAAABkAAAAAAAAAH9/fwAKAAAAIgAAABgAAAAAAAAAAAAAAAAAAAAAAAAAAAAAAAAAAAAkAAAAJAAAAAAAAAAHAAAAAAAAAAAAAAAAAAAAAAAAAAAAAAAAAAAAf39/ACUAAABYAAAAAAAAAAAAAAAAAAAAAAAAAAAAAAAAAAAAAAAAAAAAAAAAAAAAAAAAAAAAAAA/AAAAAAAAAKCGAQAAAAAAAAAAAAAAAAAMAAAAAQAAAAAAAAAAAAAAAAAAAB8AAABUAAAAAAAABQAAAAEAAAAAAAAAAAAAAAAAAAAAAAAAAAAAAAAAAAAAAAAAAAAAAAJ/f38AAAAAA8zMzADAwP8Af39/AAAAAAAAAAAAAAAAAAAAAAAAAAAAIQAAABgAAAAUAAAAKAUAADsLAADYRQAAACYAABAAAAAmAAAACAAAAAIAAAAAAAAAMAAAABQAAAAAAAAAAAD//wAAAQAAAP//AAABAA=="/>
               </a:ext>
             </a:extLst>
           </p:cNvSpPr>
@@ -1726,7 +1726,7 @@
             <a:spLocks noGrp="1" noChangeArrowheads="1"/>
             <a:extLst>
               <a:ext uri="smNativeData">
-                <pr:smNativeData xmlns="smNativeData" xmlns:pr="smNativeData" xmlns:p15="http://schemas.microsoft.com/office/powerpoint/2012/main" xmlns:p14="http://schemas.microsoft.com/office/powerpoint/2010/main" xmlns:mc="http://schemas.openxmlformats.org/markup-compatibility/2006" val="SMDATA_16_xzE7ZxMAAAAlAAAAZAAAAA0AAAAAkAAAAEgAAACQAAAASAAAAAAAAAABAAAAAAAAAAEAAABQAAAAAAAAAAAA4D8AAAAAAADgPwAAAAAAAOA/AAAAAAAA4D8AAAAAAADgPwAAAAAAAOA/AAAAAAAA4D8AAAAAAADgPwAAAAAAAOA/AAAAAAAA4D8CAAAAjAAAAAAAAAAAAAAARHLEDP///wgAAAAAAAAAAAAAAAAAAAAAAAAAAAAAAAAAAAAAZAAAAAEAAABAAAAAAAAAAAAAAAAAAAAAAAAAAAAAAAAAAAAAAAAAAAAAAAAAAAAAAAAAAAAAAAAAAAAAAAAAAAAAAAAAAAAAAAAAAAAAAAAAAAAAAAAAAAAAAAAAAAAAFAAAADwAAAAAAAAAAAAAAAAAAAkUAAAAAQAAABQAAAAUAAAAFAAAAAEAAAAAAAAAZAAAAGQAAAAAAAAAZAAAAGQAAAAVAAAAYAAAAAAAAAAAAAAADwAAACADAAAAAAAAAAAAAAEAAACgMgAAVgcAAKr4//8BAAAAf39/AAEAAABkAAAAAAAAABQAAABAHwAAAAAAACYAAAAAAAAAwOD//wAAAAAmAAAAZAAAABYAAABMAAAAAAAAAAAAAAAEAAAAAAAAAAEAAADn5uYKAAAAACgAAAAoAAAAZAAAAGQAAAAAAAAAzMzMAAAAAABQAAAAUAAAAGQAAABkAAAAAAAAABcAAAAUAAAAAAAAAAAAAAD/fwAA/38AAAAAAAAJAAAABAAAAAAAAAAeAAAAaAAAAAAAAAAAAAAAAAAAAAAAAAAAAAAAECcAABAnAAAAAAAAAAAAAAAAAAAAAAAAAAAAAAAAAAAAAAAAAAAAABQAAAAAAAAAwMD/AAAAAABkAAAAMgAAAAAAAABkAAAAAAAAAH9/fwAKAAAAIgAAABgAAAAAAAAAAAAAAAAAAAAAAAAAAAAAAAAAAAAkAAAAJAAAAAAAAAAHAAAAAAAAAAAAAAAAAAAAAAAAAAAAAAAAAAAAf39/ACUAAABYAAAAAAAAAAAAAAAAAAAAAAAAAAAAAAAAAAAAAAAAAAAAAAAAAAAAAAAAAAAAAAA/AAAAAAAAAKCGAQAAAAAAAAAAAAAAAAAMAAAAAQAAAAAAAAAAAAAAAAAAAB8AAABUAAAAAAAABQAAAAEAAAAAAAAAAAAAAAAAAAAAAAAAAAAAAAAAAAAAAAAAAAAAAAJ/f38AAAAAA8zMzADAwP8Af39/AAAAAAAAAAAAAAAAAAAAAAAAAAAAIQAAABgAAAAUAAAAKAUAABonAAAIFgAAWSkAABAAAAAmAAAACAAAAAAAAAAAAAAAMAAAABQAAAAAAAAAAAD//wAAAQAAAP//AAABAA=="/>
+                <pr:smNativeData xmlns:mc="http://schemas.openxmlformats.org/markup-compatibility/2006" xmlns:p14="http://schemas.microsoft.com/office/powerpoint/2010/main" xmlns:p15="http://schemas.microsoft.com/office/powerpoint/2012/main" xmlns:pr="smNativeData" xmlns="smNativeData" val="SMDATA_16_xzE7ZxMAAAAlAAAAZAAAAA0AAAAAkAAAAEgAAACQAAAASAAAAAAAAAABAAAAAAAAAAEAAABQAAAAAAAAAAAA4D8AAAAAAADgPwAAAAAAAOA/AAAAAAAA4D8AAAAAAADgPwAAAAAAAOA/AAAAAAAA4D8AAAAAAADgPwAAAAAAAOA/AAAAAAAA4D8CAAAAjAAAAAAAAAAAAAAARHLEDP///wgAAAAAAAAAAAAAAAAAAAAAAAAAAAAAAAAAAAAAZAAAAAEAAABAAAAAAAAAAAAAAAAAAAAAAAAAAAAAAAAAAAAAAAAAAAAAAAAAAAAAAAAAAAAAAAAAAAAAAAAAAAAAAAAAAAAAAAAAAAAAAAAAAAAAAAAAAAAAAAAAAAAAFAAAADwAAAAAAAAAAAAAAAAAAAkUAAAAAQAAABQAAAAUAAAAFAAAAAEAAAAAAAAAZAAAAGQAAAAAAAAAZAAAAGQAAAAVAAAAYAAAAAAAAAAAAAAADwAAACADAAAAAAAAAAAAAAEAAACgMgAAVgcAAKr4//8BAAAAf39/AAEAAABkAAAAAAAAABQAAABAHwAAAAAAACYAAAAAAAAAwOD//wAAAAAmAAAAZAAAABYAAABMAAAAAAAAAAAAAAAEAAAAAAAAAAEAAADn5uYKAAAAACgAAAAoAAAAZAAAAGQAAAAAAAAAzMzMAAAAAABQAAAAUAAAAGQAAABkAAAAAAAAABcAAAAUAAAAAAAAAAAAAAD/fwAA/38AAAAAAAAJAAAABAAAAAAAAAAeAAAAaAAAAAAAAAAAAAAAAAAAAAAAAAAAAAAAECcAABAnAAAAAAAAAAAAAAAAAAAAAAAAAAAAAAAAAAAAAAAAAAAAABQAAAAAAAAAwMD/AAAAAABkAAAAMgAAAAAAAABkAAAAAAAAAH9/fwAKAAAAIgAAABgAAAAAAAAAAAAAAAAAAAAAAAAAAAAAAAAAAAAkAAAAJAAAAAAAAAAHAAAAAAAAAAAAAAAAAAAAAAAAAAAAAAAAAAAAf39/ACUAAABYAAAAAAAAAAAAAAAAAAAAAAAAAAAAAAAAAAAAAAAAAAAAAAAAAAAAAAAAAAAAAAA/AAAAAAAAAKCGAQAAAAAAAAAAAAAAAAAMAAAAAQAAAAAAAAAAAAAAAAAAAB8AAABUAAAAAAAABQAAAAEAAAAAAAAAAAAAAAAAAAAAAAAAAAAAAAAAAAAAAAAAAAAAAAJ/f38AAAAAA8zMzADAwP8Af39/AAAAAAAAAAAAAAAAAAAAAAAAAAAAIQAAABgAAAAUAAAAKAUAABonAAAIFgAAWSkAABAAAAAmAAAACAAAAAAAAAAAAAAAMAAAABQAAAAAAAAAAAD//wAAAQAAAP//AAABAA=="/>
               </a:ext>
             </a:extLst>
           </p:cNvSpPr>
@@ -1756,7 +1756,7 @@
             <a:spLocks noGrp="1" noChangeArrowheads="1"/>
             <a:extLst>
               <a:ext uri="smNativeData">
-                <pr:smNativeData xmlns="smNativeData" xmlns:pr="smNativeData" xmlns:p15="http://schemas.microsoft.com/office/powerpoint/2012/main" xmlns:p14="http://schemas.microsoft.com/office/powerpoint/2010/main" xmlns:mc="http://schemas.openxmlformats.org/markup-compatibility/2006" val="SMDATA_16_xzE7ZxMAAAAlAAAAZAAAAA0AAAAAkAAAAEgAAACQAAAASAAAAAAAAAABAAAAAAAAAAEAAABQAAAAAAAAAAAA4D8AAAAAAADgPwAAAAAAAOA/AAAAAAAA4D8AAAAAAADgPwAAAAAAAOA/AAAAAAAA4D8AAAAAAADgPwAAAAAAAOA/AAAAAAAA4D8CAAAAjAAAAAAAAAAAAAAARHLEDP///wgAAAAAAAAAAAAAAAAAAAAAAAAAAAAAAAAAAAAAZAAAAAEAAABAAAAAAAAAAAAAAAAAAAAAAAAAAAAAAAAAAAAAAAAAAAAAAAAAAAAAAAAAAAAAAAAAAAAAAAAAAAAAAAAAAAAAAAAAAAAAAAAAAAAAAAAAAAAAAAAAAAAAFAAAADwAAAAAAAAAAAAAAAAAAAkUAAAAAQAAABQAAAAUAAAAFAAAAAEAAAAAAAAAZAAAAGQAAAAAAAAAZAAAAGQAAAAVAAAAYAAAAAAAAAAAAAAADwAAACADAAAAAAAAAAAAAAEAAACgMgAAVgcAAKr4//8BAAAAf39/AAEAAABkAAAAAAAAABQAAABAHwAAAAAAACYAAAAAAAAAwOD//wAAAAAmAAAAZAAAABYAAABMAAAAAAAAAAAAAAAEAAAAAAAAAAEAAADn5uYKAAAAACgAAAAoAAAAZAAAAGQAAAAAAAAAzMzMAAAAAABQAAAAUAAAAGQAAABkAAAAAAAAABcAAAAUAAAAAAAAAAAAAAD/fwAA/38AAAAAAAAJAAAABAAAAAAAAAAeAAAAaAAAAAAAAAAAAAAAAAAAAAAAAAAAAAAAECcAABAnAAAAAAAAAAAAAAAAAAAAAAAAAAAAAAAAAAAAAAAAAAAAABQAAAAAAAAAwMD/AAAAAABkAAAAMgAAAAAAAABkAAAAAAAAAH9/fwAKAAAAIgAAABgAAAAAAAAAAAAAAAAAAAAAAAAAAAAAAAAAAAAkAAAAJAAAAAAAAAAHAAAAAAAAAAAAAAAAAAAAAAAAAAAAAAAAAAAAf39/ACUAAABYAAAAAAAAAAAAAAAAAAAAAAAAAAAAAAAAAAAAAAAAAAAAAAAAAAAAAAAAAAAAAAA/AAAAAAAAAKCGAQAAAAAAAAAAAAAAAAAMAAAAAQAAAAAAAAAAAAAAAAAAAB8AAABUAAAAAAAABQAAAAEAAAAAAAAAAAAAAAAAAAAAAAAAAAAAAAAAAAAAAAAAAAAAAAJ/f38AAAAAA8zMzADAwP8Af39/AAAAAAAAAAAAAAAAAAAAAAAAAAAAIQAAABgAAAAUAAAA2BgAABonAAAoMgAAWSkAABAAAAAmAAAACAAAAAAAAAAAAAAAMAAAABQAAAAAAAAAAAD//wAAAQAAAP//AAABAA=="/>
+                <pr:smNativeData xmlns:mc="http://schemas.openxmlformats.org/markup-compatibility/2006" xmlns:p14="http://schemas.microsoft.com/office/powerpoint/2010/main" xmlns:p15="http://schemas.microsoft.com/office/powerpoint/2012/main" xmlns:pr="smNativeData" xmlns="smNativeData" val="SMDATA_16_xzE7ZxMAAAAlAAAAZAAAAA0AAAAAkAAAAEgAAACQAAAASAAAAAAAAAABAAAAAAAAAAEAAABQAAAAAAAAAAAA4D8AAAAAAADgPwAAAAAAAOA/AAAAAAAA4D8AAAAAAADgPwAAAAAAAOA/AAAAAAAA4D8AAAAAAADgPwAAAAAAAOA/AAAAAAAA4D8CAAAAjAAAAAAAAAAAAAAARHLEDP///wgAAAAAAAAAAAAAAAAAAAAAAAAAAAAAAAAAAAAAZAAAAAEAAABAAAAAAAAAAAAAAAAAAAAAAAAAAAAAAAAAAAAAAAAAAAAAAAAAAAAAAAAAAAAAAAAAAAAAAAAAAAAAAAAAAAAAAAAAAAAAAAAAAAAAAAAAAAAAAAAAAAAAFAAAADwAAAAAAAAAAAAAAAAAAAkUAAAAAQAAABQAAAAUAAAAFAAAAAEAAAAAAAAAZAAAAGQAAAAAAAAAZAAAAGQAAAAVAAAAYAAAAAAAAAAAAAAADwAAACADAAAAAAAAAAAAAAEAAACgMgAAVgcAAKr4//8BAAAAf39/AAEAAABkAAAAAAAAABQAAABAHwAAAAAAACYAAAAAAAAAwOD//wAAAAAmAAAAZAAAABYAAABMAAAAAAAAAAAAAAAEAAAAAAAAAAEAAADn5uYKAAAAACgAAAAoAAAAZAAAAGQAAAAAAAAAzMzMAAAAAABQAAAAUAAAAGQAAABkAAAAAAAAABcAAAAUAAAAAAAAAAAAAAD/fwAA/38AAAAAAAAJAAAABAAAAAAAAAAeAAAAaAAAAAAAAAAAAAAAAAAAAAAAAAAAAAAAECcAABAnAAAAAAAAAAAAAAAAAAAAAAAAAAAAAAAAAAAAAAAAAAAAABQAAAAAAAAAwMD/AAAAAABkAAAAMgAAAAAAAABkAAAAAAAAAH9/fwAKAAAAIgAAABgAAAAAAAAAAAAAAAAAAAAAAAAAAAAAAAAAAAAkAAAAJAAAAAAAAAAHAAAAAAAAAAAAAAAAAAAAAAAAAAAAAAAAAAAAf39/ACUAAABYAAAAAAAAAAAAAAAAAAAAAAAAAAAAAAAAAAAAAAAAAAAAAAAAAAAAAAAAAAAAAAA/AAAAAAAAAKCGAQAAAAAAAAAAAAAAAAAMAAAAAQAAAAAAAAAAAAAAAAAAAB8AAABUAAAAAAAABQAAAAEAAAAAAAAAAAAAAAAAAAAAAAAAAAAAAAAAAAAAAAAAAAAAAAJ/f38AAAAAA8zMzADAwP8Af39/AAAAAAAAAAAAAAAAAAAAAAAAAAAAIQAAABgAAAAUAAAA2BgAABonAAAoMgAAWSkAABAAAAAmAAAACAAAAAAAAAAAAAAAMAAAABQAAAAAAAAAAAD//wAAAQAAAP//AAABAA=="/>
               </a:ext>
             </a:extLst>
           </p:cNvSpPr>
@@ -1783,7 +1783,7 @@
             <a:spLocks noGrp="1" noChangeArrowheads="1"/>
             <a:extLst>
               <a:ext uri="smNativeData">
-                <pr:smNativeData xmlns="smNativeData" xmlns:pr="smNativeData" xmlns:p15="http://schemas.microsoft.com/office/powerpoint/2012/main" xmlns:p14="http://schemas.microsoft.com/office/powerpoint/2010/main" xmlns:mc="http://schemas.openxmlformats.org/markup-compatibility/2006" val="SMDATA_16_xzE7ZxMAAAAlAAAAZAAAAA0AAAAAkAAAAEgAAACQAAAASAAAAAAAAAABAAAAAAAAAAEAAABQAAAAAAAAAAAA4D8AAAAAAADgPwAAAAAAAOA/AAAAAAAA4D8AAAAAAADgPwAAAAAAAOA/AAAAAAAA4D8AAAAAAADgPwAAAAAAAOA/AAAAAAAA4D8CAAAAjAAAAAAAAAAAAAAARHLEDP///wgAAAAAAAAAAAAAAAAAAAAAAAAAAAAAAAAAAAAAZAAAAAEAAABAAAAAAAAAAAAAAAAAAAAAAAAAAAAAAAAAAAAAAAAAAAAAAAAAAAAAAAAAAAAAAAAAAAAAAAAAAAAAAAAAAAAAAAAAAAAAAAAAAAAAAAAAAAAAAAAAAAAAFAAAADwAAAAAAAAAAAAAAAAAAAkUAAAAAQAAABQAAAAUAAAAFAAAAAEAAAAAAAAAZAAAAGQAAAAAAAAAZAAAAGQAAAAVAAAAYAAAAAAAAAAAAAAADwAAACADAAAAAAAAAAAAAAEAAACgMgAAVgcAAKr4//8BAAAAf39/AAEAAABkAAAAAAAAABQAAABAHwAAAAAAACYAAAAAAAAAwOD//wAAAAAmAAAAZAAAABYAAABMAAAAAAAAAAAAAAAEAAAAAAAAAAEAAADn5uYKAAAAACgAAAAoAAAAZAAAAGQAAAAAAAAAzMzMAAAAAABQAAAAUAAAAGQAAABkAAAAAAAAABcAAAAUAAAAAAAAAAAAAAD/fwAA/38AAAAAAAAJAAAABAAAAAAAAAAeAAAAaAAAAAAAAAAAAAAAAAAAAAAAAAAAAAAAECcAABAnAAAAAAAAAAAAAAAAAAAAAAAAAAAAAAAAAAAAAAAAAAAAABQAAAAAAAAAwMD/AAAAAABkAAAAMgAAAAAAAABkAAAAAAAAAH9/fwAKAAAAIgAAABgAAAAAAAAAAAAAAAAAAAAAAAAAAAAAAAAAAAAkAAAAJAAAAAAAAAAHAAAAAAAAAAAAAAAAAAAAAAAAAAAAAAAAAAAAf39/ACUAAABYAAAAAAAAAAAAAAAAAAAAAAAAAAAAAAAAAAAAAAAAAAAAAAAAAAAAAAAAAAAAAAA/AAAAAAAAAKCGAQAAAAAAAAAAAAAAAAAMAAAAAQAAAAAAAAAAAAAAAAAAAB8AAABUAAAAAAAABQAAAAEAAAAAAAAAAAAAAAAAAAAAAAAAAAAAAAAAAAAAAAAAAAAAAAJ/f38AAAAAA8zMzADAwP8Af39/AAAAAAAAAAAAAAAAAAAAAAAAAAAAIQAAABgAAAAUAAAA+DQAABonAADYRQAAWSkAABAAAAAmAAAACAAAAAAAAAAAAAAAMAAAABQAAAAAAAAAAAD//wAAAQAAAP//AAABAA=="/>
+                <pr:smNativeData xmlns:mc="http://schemas.openxmlformats.org/markup-compatibility/2006" xmlns:p14="http://schemas.microsoft.com/office/powerpoint/2010/main" xmlns:p15="http://schemas.microsoft.com/office/powerpoint/2012/main" xmlns:pr="smNativeData" xmlns="smNativeData" val="SMDATA_16_xzE7ZxMAAAAlAAAAZAAAAA0AAAAAkAAAAEgAAACQAAAASAAAAAAAAAABAAAAAAAAAAEAAABQAAAAAAAAAAAA4D8AAAAAAADgPwAAAAAAAOA/AAAAAAAA4D8AAAAAAADgPwAAAAAAAOA/AAAAAAAA4D8AAAAAAADgPwAAAAAAAOA/AAAAAAAA4D8CAAAAjAAAAAAAAAAAAAAARHLEDP///wgAAAAAAAAAAAAAAAAAAAAAAAAAAAAAAAAAAAAAZAAAAAEAAABAAAAAAAAAAAAAAAAAAAAAAAAAAAAAAAAAAAAAAAAAAAAAAAAAAAAAAAAAAAAAAAAAAAAAAAAAAAAAAAAAAAAAAAAAAAAAAAAAAAAAAAAAAAAAAAAAAAAAFAAAADwAAAAAAAAAAAAAAAAAAAkUAAAAAQAAABQAAAAUAAAAFAAAAAEAAAAAAAAAZAAAAGQAAAAAAAAAZAAAAGQAAAAVAAAAYAAAAAAAAAAAAAAADwAAACADAAAAAAAAAAAAAAEAAACgMgAAVgcAAKr4//8BAAAAf39/AAEAAABkAAAAAAAAABQAAABAHwAAAAAAACYAAAAAAAAAwOD//wAAAAAmAAAAZAAAABYAAABMAAAAAAAAAAAAAAAEAAAAAAAAAAEAAADn5uYKAAAAACgAAAAoAAAAZAAAAGQAAAAAAAAAzMzMAAAAAABQAAAAUAAAAGQAAABkAAAAAAAAABcAAAAUAAAAAAAAAAAAAAD/fwAA/38AAAAAAAAJAAAABAAAAAAAAAAeAAAAaAAAAAAAAAAAAAAAAAAAAAAAAAAAAAAAECcAABAnAAAAAAAAAAAAAAAAAAAAAAAAAAAAAAAAAAAAAAAAAAAAABQAAAAAAAAAwMD/AAAAAABkAAAAMgAAAAAAAABkAAAAAAAAAH9/fwAKAAAAIgAAABgAAAAAAAAAAAAAAAAAAAAAAAAAAAAAAAAAAAAkAAAAJAAAAAAAAAAHAAAAAAAAAAAAAAAAAAAAAAAAAAAAAAAAAAAAf39/ACUAAABYAAAAAAAAAAAAAAAAAAAAAAAAAAAAAAAAAAAAAAAAAAAAAAAAAAAAAAAAAAAAAAA/AAAAAAAAAKCGAQAAAAAAAAAAAAAAAAAMAAAAAQAAAAAAAAAAAAAAAAAAAB8AAABUAAAAAAAABQAAAAEAAAAAAAAAAAAAAAAAAAAAAAAAAAAAAAAAAAAAAAAAAAAAAAJ/f38AAAAAA8zMzADAwP8Af39/AAAAAAAAAAAAAAAAAAAAAAAAAAAAIQAAABgAAAAUAAAA+DQAABonAADYRQAAWSkAABAAAAAmAAAACAAAAAAAAAAAAAAAMAAAABQAAAAAAAAAAAD//wAAAQAAAP//AAABAA=="/>
               </a:ext>
             </a:extLst>
           </p:cNvSpPr>
@@ -1839,7 +1839,7 @@
             <a:spLocks noGrp="1" noChangeArrowheads="1"/>
             <a:extLst>
               <a:ext uri="smNativeData">
-                <pr:smNativeData xmlns="smNativeData" xmlns:pr="smNativeData" xmlns:p15="http://schemas.microsoft.com/office/powerpoint/2012/main" xmlns:p14="http://schemas.microsoft.com/office/powerpoint/2010/main" xmlns:mc="http://schemas.openxmlformats.org/markup-compatibility/2006" val="SMDATA_16_xzE7ZxMAAAAlAAAAZAAAAA0AAAAAkAAAAEgAAACQAAAASAAAAAAAAAABAAAAAQAAAAEAAABQAAAAAAAAAAAA4D8AAAAAAADgPwAAAAAAAOA/AAAAAAAA4D8AAAAAAADgPwAAAAAAAOA/AAAAAAAA4D8AAAAAAADgPwAAAAAAAOA/AAAAAAAA4D8CAAAAjAAAAAAAAAAAAAAARHLEDP///wgAAAAAAAAAAAAAAAAAAAAAAAAAAAAAAAAAAAAAZAAAAAEAAABAAAAAAAAAAAAAAAAAAAAAAAAAAAAAAAAAAAAAAAAAAAAAAAAAAAAAAAAAAAAAAAAAAAAAAAAAAAAAAAAAAAAAAAAAAAAAAAAAAAAAAAAAAAAAAAAAAAAAFAAAADwAAAAAAAAAAAAAAAAAAAkUAAAAAQAAABQAAAAUAAAAFAAAAAEAAAAAAAAAZAAAAGQAAAAAAAAAZAAAAGQAAAAVAAAAYAAAAAAAAAAAAAAADwAAACADAAAAAAAAAAAAAAEAAACgMgAAVgcAAKr4//8BAAAAf39/AAEAAABkAAAAAAAAABQAAABAHwAAAAAAACYAAAAAAAAAwOD//wAAAAAmAAAAZAAAABYAAABMAAAAAAAAAAAAAAAEAAAAAAAAAAEAAADn5uYKAAAAACgAAAAoAAAAZAAAAGQAAAAAAAAAzMzMAAAAAABQAAAAUAAAAGQAAABkAAAAAAAAABcAAAAUAAAAAAAAAAAAAAD/fwAA/38AAAAAAAAJAAAABAAAAAAAAAAeAAAAaAAAAAAAAAAAAAAAAAAAAAAAAAAAAAAAECcAABAnAAAAAAAAAAAAAAAAAAAAAAAAAAAAAAAAAAAAAAAAAAAAABQAAAAAAAAAwMD/AAAAAABkAAAAMgAAAAAAAABkAAAAAAAAAH9/fwAKAAAAIgAAABgAAAAAAAAAAAAAAAAAAAAAAAAAAAAAAAAAAAAkAAAAJAAAAAAAAAAHAAAAAAAAAAAAAAAAAAAAAAAAAAAAAAAAAAAAf39/ACUAAABYAAAAAAAAAAAAAAAAAAAAAAAAAAAAAAAAAAAAAAAAAAAAAAAAAAAAAAAAAAAAAAA/AAAAAAAAAKCGAQAAAAAAAAAAAAAAAAAMAAAAAQAAAAAAAAAAAAAAAAAAAB8AAABUAAAAAAAABQAAAAEAAAAAAAAAAAAAAAAAAAAAAAAAAAAAAAAAAAAAAAAAAAAAAAJ/f38AAAAAA8zMzADAwP8Af39/AAAAAAAAAAAAAAAAAAAAAAAAAAAAIQAAABgAAAAUAAAArDUAAD8CAADYRQAAACYAABAAAAAmAAAACAAAAAMAAAAAAAAAMAAAABQAAAAAAAAAAAD//wAAAQAAAP//AAABAA=="/>
+                <pr:smNativeData xmlns:mc="http://schemas.openxmlformats.org/markup-compatibility/2006" xmlns:p14="http://schemas.microsoft.com/office/powerpoint/2010/main" xmlns:p15="http://schemas.microsoft.com/office/powerpoint/2012/main" xmlns:pr="smNativeData" xmlns="smNativeData" val="SMDATA_16_xzE7ZxMAAAAlAAAAZAAAAA0AAAAAkAAAAEgAAACQAAAASAAAAAAAAAABAAAAAQAAAAEAAABQAAAAAAAAAAAA4D8AAAAAAADgPwAAAAAAAOA/AAAAAAAA4D8AAAAAAADgPwAAAAAAAOA/AAAAAAAA4D8AAAAAAADgPwAAAAAAAOA/AAAAAAAA4D8CAAAAjAAAAAAAAAAAAAAARHLEDP///wgAAAAAAAAAAAAAAAAAAAAAAAAAAAAAAAAAAAAAZAAAAAEAAABAAAAAAAAAAAAAAAAAAAAAAAAAAAAAAAAAAAAAAAAAAAAAAAAAAAAAAAAAAAAAAAAAAAAAAAAAAAAAAAAAAAAAAAAAAAAAAAAAAAAAAAAAAAAAAAAAAAAAFAAAADwAAAAAAAAAAAAAAAAAAAkUAAAAAQAAABQAAAAUAAAAFAAAAAEAAAAAAAAAZAAAAGQAAAAAAAAAZAAAAGQAAAAVAAAAYAAAAAAAAAAAAAAADwAAACADAAAAAAAAAAAAAAEAAACgMgAAVgcAAKr4//8BAAAAf39/AAEAAABkAAAAAAAAABQAAABAHwAAAAAAACYAAAAAAAAAwOD//wAAAAAmAAAAZAAAABYAAABMAAAAAAAAAAAAAAAEAAAAAAAAAAEAAADn5uYKAAAAACgAAAAoAAAAZAAAAGQAAAAAAAAAzMzMAAAAAABQAAAAUAAAAGQAAABkAAAAAAAAABcAAAAUAAAAAAAAAAAAAAD/fwAA/38AAAAAAAAJAAAABAAAAAAAAAAeAAAAaAAAAAAAAAAAAAAAAAAAAAAAAAAAAAAAECcAABAnAAAAAAAAAAAAAAAAAAAAAAAAAAAAAAAAAAAAAAAAAAAAABQAAAAAAAAAwMD/AAAAAABkAAAAMgAAAAAAAABkAAAAAAAAAH9/fwAKAAAAIgAAABgAAAAAAAAAAAAAAAAAAAAAAAAAAAAAAAAAAAAkAAAAJAAAAAAAAAAHAAAAAAAAAAAAAAAAAAAAAAAAAAAAAAAAAAAAf39/ACUAAABYAAAAAAAAAAAAAAAAAAAAAAAAAAAAAAAAAAAAAAAAAAAAAAAAAAAAAAAAAAAAAAA/AAAAAAAAAKCGAQAAAAAAAAAAAAAAAAAMAAAAAQAAAAAAAAAAAAAAAAAAAB8AAABUAAAAAAAABQAAAAEAAAAAAAAAAAAAAAAAAAAAAAAAAAAAAAAAAAAAAAAAAAAAAAJ/f38AAAAAA8zMzADAwP8Af39/AAAAAAAAAAAAAAAAAAAAAAAAAAAAIQAAABgAAAAUAAAArDUAAD8CAADYRQAAACYAABAAAAAmAAAACAAAAAMAAAAAAAAAMAAAABQAAAAAAAAAAAD//wAAAQAAAP//AAABAA=="/>
               </a:ext>
             </a:extLst>
           </p:cNvSpPr>
@@ -1877,7 +1877,7 @@
             <a:spLocks noGrp="1" noChangeArrowheads="1"/>
             <a:extLst>
               <a:ext uri="smNativeData">
-                <pr:smNativeData xmlns="smNativeData" xmlns:pr="smNativeData" xmlns:p15="http://schemas.microsoft.com/office/powerpoint/2012/main" xmlns:p14="http://schemas.microsoft.com/office/powerpoint/2010/main" xmlns:mc="http://schemas.openxmlformats.org/markup-compatibility/2006" val="SMDATA_16_xzE7ZxMAAAAlAAAAZAAAAA0AAAAAkAAAAEgAAACQAAAASAAAAAAAAAAAAAAAAQAAAAEAAABQAAAAAAAAAAAA4D8AAAAAAADgPwAAAAAAAOA/AAAAAAAA4D8AAAAAAADgPwAAAAAAAOA/AAAAAAAA4D8AAAAAAADgPwAAAAAAAOA/AAAAAAAA4D8CAAAAjAAAAAAAAAAAAAAARHLEDP///wgAAAAAAAAAAAAAAAAAAAAAAAAAAAAAAAAAAAAAZAAAAAEAAABAAAAAAAAAAAAAAAAAAAAAAAAAAAAAAAAAAAAAAAAAAAAAAAAAAAAAAAAAAAAAAAAAAAAAAAAAAAAAAAAAAAAAAAAAAAAAAAAAAAAAAAAAAAAAAAAAAAAAFAAAADwAAAAAAAAAAAAAAAAAAAkUAAAAAQAAABQAAAAUAAAAFAAAAAEAAAAAAAAAZAAAAGQAAAAAAAAAZAAAAGQAAAAVAAAAYAAAAAAAAAAAAAAADwAAACADAAAAAAAAAAAAAAEAAACgMgAAVgcAAKr4//8BAAAAf39/AAEAAABkAAAAAAAAABQAAABAHwAAAAAAACYAAAAAAAAAwOD//wAAAAAmAAAAZAAAABYAAABMAAAAAAAAAAAAAAAEAAAAAAAAAAEAAADn5uYKAAAAACgAAAAoAAAAZAAAAGQAAAAAAAAAzMzMAAAAAABQAAAAUAAAAGQAAABkAAAAAAAAABcAAAAUAAAAAAAAAAAAAAD/fwAA/38AAAAAAAAJAAAABAAAAAAAAAAeAAAAaAAAAAAAAAAAAAAAAAAAAAAAAAAAAAAAECcAABAnAAAAAAAAAAAAAAAAAAAAAAAAAAAAAAAAAAAAAAAAAAAAABQAAAAAAAAAwMD/AAAAAABkAAAAMgAAAAAAAABkAAAAAAAAAH9/fwAKAAAAIgAAABgAAAAAAAAAAAAAAAAAAAAAAAAAAAAAAAAAAAAkAAAAJAAAAAAAAAAHAAAAAAAAAAAAAAAAAAAAAAAAAAAAAAAAAAAAf39/ACUAAABYAAAAAAAAAAAAAAAAAAAAAAAAAAAAAAAAAAAAAAAAAAAAAAAAAAAAAAAAAAAAAAA/AAAAAAAAAKCGAQAAAAAAAAAAAAAAAAAMAAAAAQAAAAAAAAAAAAAAAAAAAB8AAABUAAAAAAAABQAAAAEAAAAAAAAAAAAAAAAAAAAAAAAAAAAAAAAAAAAAAAAAAAAAAAJ/f38AAAAAA8zMzADAwP8Af39/AAAAAAAAAAAAAAAAAAAAAAAAAAAAIQAAABgAAAAUAAAAKAUAAD8CAAC8NAAAACYAABAAAAAmAAAACAAAAAMAAAAAAAAAMAAAABQAAAAAAAAAAAD//wAAAQAAAP//AAABAA=="/>
+                <pr:smNativeData xmlns:mc="http://schemas.openxmlformats.org/markup-compatibility/2006" xmlns:p14="http://schemas.microsoft.com/office/powerpoint/2010/main" xmlns:p15="http://schemas.microsoft.com/office/powerpoint/2012/main" xmlns:pr="smNativeData" xmlns="smNativeData" val="SMDATA_16_xzE7ZxMAAAAlAAAAZAAAAA0AAAAAkAAAAEgAAACQAAAASAAAAAAAAAAAAAAAAQAAAAEAAABQAAAAAAAAAAAA4D8AAAAAAADgPwAAAAAAAOA/AAAAAAAA4D8AAAAAAADgPwAAAAAAAOA/AAAAAAAA4D8AAAAAAADgPwAAAAAAAOA/AAAAAAAA4D8CAAAAjAAAAAAAAAAAAAAARHLEDP///wgAAAAAAAAAAAAAAAAAAAAAAAAAAAAAAAAAAAAAZAAAAAEAAABAAAAAAAAAAAAAAAAAAAAAAAAAAAAAAAAAAAAAAAAAAAAAAAAAAAAAAAAAAAAAAAAAAAAAAAAAAAAAAAAAAAAAAAAAAAAAAAAAAAAAAAAAAAAAAAAAAAAAFAAAADwAAAAAAAAAAAAAAAAAAAkUAAAAAQAAABQAAAAUAAAAFAAAAAEAAAAAAAAAZAAAAGQAAAAAAAAAZAAAAGQAAAAVAAAAYAAAAAAAAAAAAAAADwAAACADAAAAAAAAAAAAAAEAAACgMgAAVgcAAKr4//8BAAAAf39/AAEAAABkAAAAAAAAABQAAABAHwAAAAAAACYAAAAAAAAAwOD//wAAAAAmAAAAZAAAABYAAABMAAAAAAAAAAAAAAAEAAAAAAAAAAEAAADn5uYKAAAAACgAAAAoAAAAZAAAAGQAAAAAAAAAzMzMAAAAAABQAAAAUAAAAGQAAABkAAAAAAAAABcAAAAUAAAAAAAAAAAAAAD/fwAA/38AAAAAAAAJAAAABAAAAAAAAAAeAAAAaAAAAAAAAAAAAAAAAAAAAAAAAAAAAAAAECcAABAnAAAAAAAAAAAAAAAAAAAAAAAAAAAAAAAAAAAAAAAAAAAAABQAAAAAAAAAwMD/AAAAAABkAAAAMgAAAAAAAABkAAAAAAAAAH9/fwAKAAAAIgAAABgAAAAAAAAAAAAAAAAAAAAAAAAAAAAAAAAAAAAkAAAAJAAAAAAAAAAHAAAAAAAAAAAAAAAAAAAAAAAAAAAAAAAAAAAAf39/ACUAAABYAAAAAAAAAAAAAAAAAAAAAAAAAAAAAAAAAAAAAAAAAAAAAAAAAAAAAAAAAAAAAAA/AAAAAAAAAKCGAQAAAAAAAAAAAAAAAAAMAAAAAQAAAAAAAAAAAAAAAAAAAB8AAABUAAAAAAAABQAAAAEAAAAAAAAAAAAAAAAAAAAAAAAAAAAAAAAAAAAAAAAAAAAAAAJ/f38AAAAAA8zMzADAwP8Af39/AAAAAAAAAAAAAAAAAAAAAAAAAAAAIQAAABgAAAAUAAAAKAUAAD8CAAC8NAAAACYAABAAAAAmAAAACAAAAAMAAAAAAAAAMAAAABQAAAAAAAAAAAD//wAAAQAAAP//AAABAA=="/>
               </a:ext>
             </a:extLst>
           </p:cNvSpPr>
@@ -1947,7 +1947,7 @@
             <a:spLocks noGrp="1" noChangeArrowheads="1"/>
             <a:extLst>
               <a:ext uri="smNativeData">
-                <pr:smNativeData xmlns="smNativeData" xmlns:pr="smNativeData" xmlns:p15="http://schemas.microsoft.com/office/powerpoint/2012/main" xmlns:p14="http://schemas.microsoft.com/office/powerpoint/2010/main" xmlns:mc="http://schemas.openxmlformats.org/markup-compatibility/2006" val="SMDATA_16_xzE7ZxMAAAAlAAAAZAAAAA0AAAAAkAAAAEgAAACQAAAASAAAAAAAAAABAAAAAAAAAAEAAABQAAAAAAAAAAAA4D8AAAAAAADgPwAAAAAAAOA/AAAAAAAA4D8AAAAAAADgPwAAAAAAAOA/AAAAAAAA4D8AAAAAAADgPwAAAAAAAOA/AAAAAAAA4D8CAAAAjAAAAAAAAAAAAAAARHLEDP///wgAAAAAAAAAAAAAAAAAAAAAAAAAAAAAAAAAAAAAZAAAAAEAAABAAAAAAAAAAAAAAAAAAAAAAAAAAAAAAAAAAAAAAAAAAAAAAAAAAAAAAAAAAAAAAAAAAAAAAAAAAAAAAAAAAAAAAAAAAAAAAAAAAAAAAAAAAAAAAAAAAAAAFAAAADwAAAAAAAAAAAAAAAAAAAkUAAAAAQAAABQAAAAUAAAAFAAAAAEAAAAAAAAAZAAAAGQAAAAAAAAAZAAAAGQAAAAVAAAAYAAAAAAAAAAAAAAADwAAACADAAAAAAAAAAAAAAEAAACgMgAAVgcAAKr4//8BAAAAf39/AAEAAABkAAAAAAAAABQAAABAHwAAAAAAACYAAAAAAAAAwOD//wAAAAAmAAAAZAAAABYAAABMAAAAAAAAAAAAAAAEAAAAAAAAAAEAAADn5uYKAAAAACgAAAAoAAAAZAAAAGQAAAAAAAAAzMzMAAAAAABQAAAAUAAAAGQAAABkAAAAAAAAABcAAAAUAAAAAAAAAAAAAAD/fwAA/38AAAAAAAAJAAAABAAAAAAAAAAeAAAAaAAAAAAAAAAAAAAAAAAAAAAAAAAAAAAAECcAABAnAAAAAAAAAAAAAAAAAAAAAAAAAAAAAAAAAAAAAAAAAAAAABQAAAAAAAAAwMD/AAAAAABkAAAAMgAAAAAAAABkAAAAAAAAAH9/fwAKAAAAIgAAABgAAAAAAAAAAAAAAAAAAAAAAAAAAAAAAAAAAAAkAAAAJAAAAAAAAAAHAAAAAAAAAAAAAAAAAAAAAAAAAAAAAAAAAAAAf39/ACUAAABYAAAAAAAAAAAAAAAAAAAAAAAAAAAAAAAAAAAAAAAAAAAAAAAAAAAAAAAAAAAAAAA/AAAAAAAAAKCGAQAAAAAAAAAAAAAAAAAMAAAAAQAAAAAAAAAAAAAAAAAAAB8AAABUAAAAAAAABQAAAAEAAAAAAAAAAAAAAAAAAAAAAAAAAAAAAAAAAAAAAAAAAAAAAAJ/f38AAAAAA8zMzADAwP8Af39/AAAAAAAAAAAAAAAAAAAAAAAAAAAAIQAAABgAAAAUAAAAKAUAABonAAAIFgAAWSkAABAAAAAmAAAACAAAAAAAAAAAAAAAMAAAABQAAAAAAAAAAAD//wAAAQAAAP//AAABAA=="/>
+                <pr:smNativeData xmlns:mc="http://schemas.openxmlformats.org/markup-compatibility/2006" xmlns:p14="http://schemas.microsoft.com/office/powerpoint/2010/main" xmlns:p15="http://schemas.microsoft.com/office/powerpoint/2012/main" xmlns:pr="smNativeData" xmlns="smNativeData" val="SMDATA_16_xzE7ZxMAAAAlAAAAZAAAAA0AAAAAkAAAAEgAAACQAAAASAAAAAAAAAABAAAAAAAAAAEAAABQAAAAAAAAAAAA4D8AAAAAAADgPwAAAAAAAOA/AAAAAAAA4D8AAAAAAADgPwAAAAAAAOA/AAAAAAAA4D8AAAAAAADgPwAAAAAAAOA/AAAAAAAA4D8CAAAAjAAAAAAAAAAAAAAARHLEDP///wgAAAAAAAAAAAAAAAAAAAAAAAAAAAAAAAAAAAAAZAAAAAEAAABAAAAAAAAAAAAAAAAAAAAAAAAAAAAAAAAAAAAAAAAAAAAAAAAAAAAAAAAAAAAAAAAAAAAAAAAAAAAAAAAAAAAAAAAAAAAAAAAAAAAAAAAAAAAAAAAAAAAAFAAAADwAAAAAAAAAAAAAAAAAAAkUAAAAAQAAABQAAAAUAAAAFAAAAAEAAAAAAAAAZAAAAGQAAAAAAAAAZAAAAGQAAAAVAAAAYAAAAAAAAAAAAAAADwAAACADAAAAAAAAAAAAAAEAAACgMgAAVgcAAKr4//8BAAAAf39/AAEAAABkAAAAAAAAABQAAABAHwAAAAAAACYAAAAAAAAAwOD//wAAAAAmAAAAZAAAABYAAABMAAAAAAAAAAAAAAAEAAAAAAAAAAEAAADn5uYKAAAAACgAAAAoAAAAZAAAAGQAAAAAAAAAzMzMAAAAAABQAAAAUAAAAGQAAABkAAAAAAAAABcAAAAUAAAAAAAAAAAAAAD/fwAA/38AAAAAAAAJAAAABAAAAAAAAAAeAAAAaAAAAAAAAAAAAAAAAAAAAAAAAAAAAAAAECcAABAnAAAAAAAAAAAAAAAAAAAAAAAAAAAAAAAAAAAAAAAAAAAAABQAAAAAAAAAwMD/AAAAAABkAAAAMgAAAAAAAABkAAAAAAAAAH9/fwAKAAAAIgAAABgAAAAAAAAAAAAAAAAAAAAAAAAAAAAAAAAAAAAkAAAAJAAAAAAAAAAHAAAAAAAAAAAAAAAAAAAAAAAAAAAAAAAAAAAAf39/ACUAAABYAAAAAAAAAAAAAAAAAAAAAAAAAAAAAAAAAAAAAAAAAAAAAAAAAAAAAAAAAAAAAAA/AAAAAAAAAKCGAQAAAAAAAAAAAAAAAAAMAAAAAQAAAAAAAAAAAAAAAAAAAB8AAABUAAAAAAAABQAAAAEAAAAAAAAAAAAAAAAAAAAAAAAAAAAAAAAAAAAAAAAAAAAAAAJ/f38AAAAAA8zMzADAwP8Af39/AAAAAAAAAAAAAAAAAAAAAAAAAAAAIQAAABgAAAAUAAAAKAUAABonAAAIFgAAWSkAABAAAAAmAAAACAAAAAAAAAAAAAAAMAAAABQAAAAAAAAAAAD//wAAAQAAAP//AAABAA=="/>
               </a:ext>
             </a:extLst>
           </p:cNvSpPr>
@@ -1977,7 +1977,7 @@
             <a:spLocks noGrp="1" noChangeArrowheads="1"/>
             <a:extLst>
               <a:ext uri="smNativeData">
-                <pr:smNativeData xmlns="smNativeData" xmlns:pr="smNativeData" xmlns:p15="http://schemas.microsoft.com/office/powerpoint/2012/main" xmlns:p14="http://schemas.microsoft.com/office/powerpoint/2010/main" xmlns:mc="http://schemas.openxmlformats.org/markup-compatibility/2006" val="SMDATA_16_xzE7ZxMAAAAlAAAAZAAAAA0AAAAAkAAAAEgAAACQAAAASAAAAAAAAAABAAAAAAAAAAEAAABQAAAAAAAAAAAA4D8AAAAAAADgPwAAAAAAAOA/AAAAAAAA4D8AAAAAAADgPwAAAAAAAOA/AAAAAAAA4D8AAAAAAADgPwAAAAAAAOA/AAAAAAAA4D8CAAAAjAAAAAAAAAAAAAAARHLEDP///wgAAAAAAAAAAAAAAAAAAAAAAAAAAAAAAAAAAAAAZAAAAAEAAABAAAAAAAAAAAAAAAAAAAAAAAAAAAAAAAAAAAAAAAAAAAAAAAAAAAAAAAAAAAAAAAAAAAAAAAAAAAAAAAAAAAAAAAAAAAAAAAAAAAAAAAAAAAAAAAAAAAAAFAAAADwAAAAAAAAAAAAAAAAAAAkUAAAAAQAAABQAAAAUAAAAFAAAAAEAAAAAAAAAZAAAAGQAAAAAAAAAZAAAAGQAAAAVAAAAYAAAAAAAAAAAAAAADwAAACADAAAAAAAAAAAAAAEAAACgMgAAVgcAAKr4//8BAAAAf39/AAEAAABkAAAAAAAAABQAAABAHwAAAAAAACYAAAAAAAAAwOD//wAAAAAmAAAAZAAAABYAAABMAAAAAAAAAAAAAAAEAAAAAAAAAAEAAADn5uYKAAAAACgAAAAoAAAAZAAAAGQAAAAAAAAAzMzMAAAAAABQAAAAUAAAAGQAAABkAAAAAAAAABcAAAAUAAAAAAAAAAAAAAD/fwAA/38AAAAAAAAJAAAABAAAAACAAIAeAAAAaAAAAAAAAAAAAAAAAAAAAAAAAAAAAAAAECcAABAnAAAAAAAAAAAAAAAAAAAAAAAAAAAAAAAAAAAAAAAAAAAAABQAAAAAAAAAwMD/AAAAAABkAAAAMgAAAAAAAABkAAAAAAAAAH9/fwAKAAAAIgAAABgAAAAAAAAAAAAAAAAAAAAAAAAAAAAAAAAAAAAkAAAAJAAAAAAAAAAHAAAAAAAAAAAAAAAAAAAAAAAAAAAAAAAAAAAAf39/ACUAAABYAAAAAAAAAAAAAAAAAAAAAAAAAAAAAAAAAAAAAAAAAAAAAAAAAAAAAAAAAAAAAAA/AAAAAAAAAKCGAQAAAAAAAAAAAAAAAAAMAAAAAQAAAAAAAAAAAAAAAAAAAB8AAABUAAAAAAAABQAAAAEAAAAAAAAAAAAAAAAAAAAAAAAAAAAAAAAAAAAAAAAAAAAAAAJ/f38AAAAAA8zMzADAwP8Af39/AAAAAAAAAAAAAAAAAAAAAAAAAAAAIQAAABgAAAAUAAAA2BgAABonAAAoMgAAWSkAABAAAAAmAAAACAAAAAAAAAAAAAAAMAAAABQAAAAAAAAAAAD//wAAAQAAAP//AAABAA=="/>
+                <pr:smNativeData xmlns:mc="http://schemas.openxmlformats.org/markup-compatibility/2006" xmlns:p14="http://schemas.microsoft.com/office/powerpoint/2010/main" xmlns:p15="http://schemas.microsoft.com/office/powerpoint/2012/main" xmlns:pr="smNativeData" xmlns="smNativeData" val="SMDATA_16_xzE7ZxMAAAAlAAAAZAAAAA0AAAAAkAAAAEgAAACQAAAASAAAAAAAAAABAAAAAAAAAAEAAABQAAAAAAAAAAAA4D8AAAAAAADgPwAAAAAAAOA/AAAAAAAA4D8AAAAAAADgPwAAAAAAAOA/AAAAAAAA4D8AAAAAAADgPwAAAAAAAOA/AAAAAAAA4D8CAAAAjAAAAAAAAAAAAAAARHLEDP///wgAAAAAAAAAAAAAAAAAAAAAAAAAAAAAAAAAAAAAZAAAAAEAAABAAAAAAAAAAAAAAAAAAAAAAAAAAAAAAAAAAAAAAAAAAAAAAAAAAAAAAAAAAAAAAAAAAAAAAAAAAAAAAAAAAAAAAAAAAAAAAAAAAAAAAAAAAAAAAAAAAAAAFAAAADwAAAAAAAAAAAAAAAAAAAkUAAAAAQAAABQAAAAUAAAAFAAAAAEAAAAAAAAAZAAAAGQAAAAAAAAAZAAAAGQAAAAVAAAAYAAAAAAAAAAAAAAADwAAACADAAAAAAAAAAAAAAEAAACgMgAAVgcAAKr4//8BAAAAf39/AAEAAABkAAAAAAAAABQAAABAHwAAAAAAACYAAAAAAAAAwOD//wAAAAAmAAAAZAAAABYAAABMAAAAAAAAAAAAAAAEAAAAAAAAAAEAAADn5uYKAAAAACgAAAAoAAAAZAAAAGQAAAAAAAAAzMzMAAAAAABQAAAAUAAAAGQAAABkAAAAAAAAABcAAAAUAAAAAAAAAAAAAAD/fwAA/38AAAAAAAAJAAAABAAAAACAAIAeAAAAaAAAAAAAAAAAAAAAAAAAAAAAAAAAAAAAECcAABAnAAAAAAAAAAAAAAAAAAAAAAAAAAAAAAAAAAAAAAAAAAAAABQAAAAAAAAAwMD/AAAAAABkAAAAMgAAAAAAAABkAAAAAAAAAH9/fwAKAAAAIgAAABgAAAAAAAAAAAAAAAAAAAAAAAAAAAAAAAAAAAAkAAAAJAAAAAAAAAAHAAAAAAAAAAAAAAAAAAAAAAAAAAAAAAAAAAAAf39/ACUAAABYAAAAAAAAAAAAAAAAAAAAAAAAAAAAAAAAAAAAAAAAAAAAAAAAAAAAAAAAAAAAAAA/AAAAAAAAAKCGAQAAAAAAAAAAAAAAAAAMAAAAAQAAAAAAAAAAAAAAAAAAAB8AAABUAAAAAAAABQAAAAEAAAAAAAAAAAAAAAAAAAAAAAAAAAAAAAAAAAAAAAAAAAAAAAJ/f38AAAAAA8zMzADAwP8Af39/AAAAAAAAAAAAAAAAAAAAAAAAAAAAIQAAABgAAAAUAAAA2BgAABonAAAoMgAAWSkAABAAAAAmAAAACAAAAAAAAAAAAAAAMAAAABQAAAAAAAAAAAD//wAAAQAAAP//AAABAA=="/>
               </a:ext>
             </a:extLst>
           </p:cNvSpPr>
@@ -2004,7 +2004,7 @@
             <a:spLocks noGrp="1" noChangeArrowheads="1"/>
             <a:extLst>
               <a:ext uri="smNativeData">
-                <pr:smNativeData xmlns="smNativeData" xmlns:pr="smNativeData" xmlns:p15="http://schemas.microsoft.com/office/powerpoint/2012/main" xmlns:p14="http://schemas.microsoft.com/office/powerpoint/2010/main" xmlns:mc="http://schemas.openxmlformats.org/markup-compatibility/2006" val="SMDATA_16_xzE7ZxMAAAAlAAAAZAAAAA0AAAAAkAAAAEgAAACQAAAASAAAAAAAAAABAAAAAAAAAAEAAABQAAAAAAAAAAAA4D8AAAAAAADgPwAAAAAAAOA/AAAAAAAA4D8AAAAAAADgPwAAAAAAAOA/AAAAAAAA4D8AAAAAAADgPwAAAAAAAOA/AAAAAAAA4D8CAAAAjAAAAAAAAAAAAAAARHLEDP///wgAAAAAAAAAAAAAAAAAAAAAAAAAAAAAAAAAAAAAZAAAAAEAAABAAAAAAAAAAAAAAAAAAAAAAAAAAAAAAAAAAAAAAAAAAAAAAAAAAAAAAAAAAAAAAAAAAAAAAAAAAAAAAAAAAAAAAAAAAAAAAAAAAAAAAAAAAAAAAAAAAAAAFAAAADwAAAAAAAAAAAAAAAAAAAkUAAAAAQAAABQAAAAUAAAAFAAAAAEAAAAAAAAAZAAAAGQAAAAAAAAAZAAAAGQAAAAVAAAAYAAAAAAAAAAAAAAADwAAACADAAAAAAAAAAAAAAEAAACgMgAAVgcAAKr4//8BAAAAf39/AAEAAABkAAAAAAAAABQAAABAHwAAAAAAACYAAAAAAAAAwOD//wAAAAAmAAAAZAAAABYAAABMAAAAAAAAAAAAAAAEAAAAAAAAAAEAAADn5uYKAAAAACgAAAAoAAAAZAAAAGQAAAAAAAAAzMzMAAAAAABQAAAAUAAAAGQAAABkAAAAAAAAABcAAAAUAAAAAAAAAAAAAAD/fwAA/38AAAAAAAAJAAAABAAAAAAAAAAeAAAAaAAAAAAAAAAAAAAAAAAAAAAAAAAAAAAAECcAABAnAAAAAAAAAAAAAAAAAAAAAAAAAAAAAAAAAAAAAAAAAAAAABQAAAAAAAAAwMD/AAAAAABkAAAAMgAAAAAAAABkAAAAAAAAAH9/fwAKAAAAIgAAABgAAAAAAAAAAAAAAAAAAAAAAAAAAAAAAAAAAAAkAAAAJAAAAAAAAAAHAAAAAAAAAAAAAAAAAAAAAAAAAAAAAAAAAAAAf39/ACUAAABYAAAAAAAAAAAAAAAAAAAAAAAAAAAAAAAAAAAAAAAAAAAAAAAAAAAAAAAAAAAAAAA/AAAAAAAAAKCGAQAAAAAAAAAAAAAAAAAMAAAAAQAAAAAAAAAAAAAAAAAAAB8AAABUAAAAAAAABQAAAAEAAAAAAAAAAAAAAAAAAAAAAAAAAAAAAAAAAAAAAAAAAAAAAAJ/f38AAAAAA8zMzADAwP8Af39/AAAAAAAAAAAAAAAAAAAAAAAAAAAAIQAAABgAAAAUAAAA+DQAABonAADYRQAAWSkAABAAAAAmAAAACAAAAAAAAAAAAAAAMAAAABQAAAAAAAAAAAD//wAAAQAAAP//AAABAA=="/>
+                <pr:smNativeData xmlns:mc="http://schemas.openxmlformats.org/markup-compatibility/2006" xmlns:p14="http://schemas.microsoft.com/office/powerpoint/2010/main" xmlns:p15="http://schemas.microsoft.com/office/powerpoint/2012/main" xmlns:pr="smNativeData" xmlns="smNativeData" val="SMDATA_16_xzE7ZxMAAAAlAAAAZAAAAA0AAAAAkAAAAEgAAACQAAAASAAAAAAAAAABAAAAAAAAAAEAAABQAAAAAAAAAAAA4D8AAAAAAADgPwAAAAAAAOA/AAAAAAAA4D8AAAAAAADgPwAAAAAAAOA/AAAAAAAA4D8AAAAAAADgPwAAAAAAAOA/AAAAAAAA4D8CAAAAjAAAAAAAAAAAAAAARHLEDP///wgAAAAAAAAAAAAAAAAAAAAAAAAAAAAAAAAAAAAAZAAAAAEAAABAAAAAAAAAAAAAAAAAAAAAAAAAAAAAAAAAAAAAAAAAAAAAAAAAAAAAAAAAAAAAAAAAAAAAAAAAAAAAAAAAAAAAAAAAAAAAAAAAAAAAAAAAAAAAAAAAAAAAFAAAADwAAAAAAAAAAAAAAAAAAAkUAAAAAQAAABQAAAAUAAAAFAAAAAEAAAAAAAAAZAAAAGQAAAAAAAAAZAAAAGQAAAAVAAAAYAAAAAAAAAAAAAAADwAAACADAAAAAAAAAAAAAAEAAACgMgAAVgcAAKr4//8BAAAAf39/AAEAAABkAAAAAAAAABQAAABAHwAAAAAAACYAAAAAAAAAwOD//wAAAAAmAAAAZAAAABYAAABMAAAAAAAAAAAAAAAEAAAAAAAAAAEAAADn5uYKAAAAACgAAAAoAAAAZAAAAGQAAAAAAAAAzMzMAAAAAABQAAAAUAAAAGQAAABkAAAAAAAAABcAAAAUAAAAAAAAAAAAAAD/fwAA/38AAAAAAAAJAAAABAAAAAAAAAAeAAAAaAAAAAAAAAAAAAAAAAAAAAAAAAAAAAAAECcAABAnAAAAAAAAAAAAAAAAAAAAAAAAAAAAAAAAAAAAAAAAAAAAABQAAAAAAAAAwMD/AAAAAABkAAAAMgAAAAAAAABkAAAAAAAAAH9/fwAKAAAAIgAAABgAAAAAAAAAAAAAAAAAAAAAAAAAAAAAAAAAAAAkAAAAJAAAAAAAAAAHAAAAAAAAAAAAAAAAAAAAAAAAAAAAAAAAAAAAf39/ACUAAABYAAAAAAAAAAAAAAAAAAAAAAAAAAAAAAAAAAAAAAAAAAAAAAAAAAAAAAAAAAAAAAA/AAAAAAAAAKCGAQAAAAAAAAAAAAAAAAAMAAAAAQAAAAAAAAAAAAAAAAAAAB8AAABUAAAAAAAABQAAAAEAAAAAAAAAAAAAAAAAAAAAAAAAAAAAAAAAAAAAAAAAAAAAAAJ/f38AAAAAA8zMzADAwP8Af39/AAAAAAAAAAAAAAAAAAAAAAAAAAAAIQAAABgAAAAUAAAA+DQAABonAADYRQAAWSkAABAAAAAmAAAACAAAAAAAAAAAAAAAMAAAABQAAAAAAAAAAAD//wAAAQAAAP//AAABAA=="/>
               </a:ext>
             </a:extLst>
           </p:cNvSpPr>
@@ -2060,7 +2060,7 @@
             <a:spLocks noGrp="1" noChangeArrowheads="1"/>
             <a:extLst>
               <a:ext uri="smNativeData">
-                <pr:smNativeData xmlns="smNativeData" xmlns:pr="smNativeData" xmlns:p15="http://schemas.microsoft.com/office/powerpoint/2012/main" xmlns:p14="http://schemas.microsoft.com/office/powerpoint/2010/main" xmlns:mc="http://schemas.openxmlformats.org/markup-compatibility/2006" val="SMDATA_16_xzE7ZxMAAAAlAAAAZAAAAA0AAAAAkAAAAEgAAACQAAAASAAAAAAAAAABAAAAAAAAAAEAAABQAAAAAAAAAAAA4D8AAAAAAADgPwAAAAAAAOA/AAAAAAAA4D8AAAAAAADgPwAAAAAAAOA/AAAAAAAA4D8AAAAAAADgPwAAAAAAAOA/AAAAAAAA4D8CAAAAjAAAAAAAAAAAAAAARHLEDP///wgAAAAAAAAAAAAAAAAAAAAAAAAAAAAAAAAAAAAAZAAAAAEAAABAAAAAAAAAAAAAAAAAAAAAAAAAAAAAAAAAAAAAAAAAAAAAAAAAAAAAAAAAAAAAAAAAAAAAAAAAAAAAAAAAAAAAAAAAAAAAAAAAAAAAAAAAAAAAAAAAAAAAFAAAADwAAAAAAAAAAAAAAAAAAAkUAAAAAQAAABQAAAAUAAAAFAAAAAEAAAAAAAAAZAAAAGQAAAAAAAAAZAAAAGQAAAAVAAAAYAAAAAAAAAAAAAAADwAAACADAAAAAAAAAAAAAAEAAACgMgAAVgcAAKr4//8BAAAAf39/AAEAAABkAAAAAAAAABQAAABAHwAAAAAAACYAAAAAAAAAwOD//wAAAAAmAAAAZAAAABYAAABMAAAAAAAAAAAAAAAEAAAAAAAAAAEAAADn5uYKAAAAACgAAAAoAAAAZAAAAGQAAAAAAAAAzMzMAAAAAABQAAAAUAAAAGQAAABkAAAAAAAAABcAAAAUAAAAAAAAAAAAAAD/fwAA/38AAAAAAAAJAAAABAAAAAAAAAAeAAAAaAAAAAAAAAAAAAAAAAAAAAAAAAAAAAAAECcAABAnAAAAAAAAAAAAAAAAAAAAAAAAAAAAAAAAAAAAAAAAAAAAABQAAAAAAAAAwMD/AAAAAABkAAAAMgAAAAAAAABkAAAAAAAAAH9/fwAKAAAAIgAAABgAAAAAAAAAAAAAAAAAAAAAAAAAAAAAAAAAAAAkAAAAJAAAAAAAAAAHAAAAAAAAAAAAAAAAAAAAAAAAAAAAAAAAAAAAf39/ACUAAABYAAAAAAAAAAAAAAAAAAAAAAAAAAAAAAAAAAAAAAAAAAAAAAAAAAAAAAAAAAAAAAA/AAAAAAAAAKCGAQAAAAAAAAAAAAAAAAAMAAAAAQAAAAAAAAAAAAAAAAAAAB8AAABUAAAAAAAABQAAAAEAAAAAAAAAAAAAAAAAAAAAAAAAAAAAAAAAAAAAAAAAAAAAAAJ/f38AAAAAA8zMzADAwP8Af39/AAAAAAAAAAAAAAAAAAAAAAAAAAAAIQAAABgAAAAUAAAAKAUAAD8CAADYRQAAZwoAABAAAAAmAAAACAAAAAAAAAAAAAAAMAAAABQAAAAAAAAAAAD//wAAAQAAAP//AAABAA=="/>
+                <pr:smNativeData xmlns:mc="http://schemas.openxmlformats.org/markup-compatibility/2006" xmlns:p14="http://schemas.microsoft.com/office/powerpoint/2010/main" xmlns:p15="http://schemas.microsoft.com/office/powerpoint/2012/main" xmlns:pr="smNativeData" xmlns="smNativeData" val="SMDATA_16_xzE7ZxMAAAAlAAAAZAAAAA0AAAAAkAAAAEgAAACQAAAASAAAAAAAAAABAAAAAAAAAAEAAABQAAAAAAAAAAAA4D8AAAAAAADgPwAAAAAAAOA/AAAAAAAA4D8AAAAAAADgPwAAAAAAAOA/AAAAAAAA4D8AAAAAAADgPwAAAAAAAOA/AAAAAAAA4D8CAAAAjAAAAAAAAAAAAAAARHLEDP///wgAAAAAAAAAAAAAAAAAAAAAAAAAAAAAAAAAAAAAZAAAAAEAAABAAAAAAAAAAAAAAAAAAAAAAAAAAAAAAAAAAAAAAAAAAAAAAAAAAAAAAAAAAAAAAAAAAAAAAAAAAAAAAAAAAAAAAAAAAAAAAAAAAAAAAAAAAAAAAAAAAAAAFAAAADwAAAAAAAAAAAAAAAAAAAkUAAAAAQAAABQAAAAUAAAAFAAAAAEAAAAAAAAAZAAAAGQAAAAAAAAAZAAAAGQAAAAVAAAAYAAAAAAAAAAAAAAADwAAACADAAAAAAAAAAAAAAEAAACgMgAAVgcAAKr4//8BAAAAf39/AAEAAABkAAAAAAAAABQAAABAHwAAAAAAACYAAAAAAAAAwOD//wAAAAAmAAAAZAAAABYAAABMAAAAAAAAAAAAAAAEAAAAAAAAAAEAAADn5uYKAAAAACgAAAAoAAAAZAAAAGQAAAAAAAAAzMzMAAAAAABQAAAAUAAAAGQAAABkAAAAAAAAABcAAAAUAAAAAAAAAAAAAAD/fwAA/38AAAAAAAAJAAAABAAAAAAAAAAeAAAAaAAAAAAAAAAAAAAAAAAAAAAAAAAAAAAAECcAABAnAAAAAAAAAAAAAAAAAAAAAAAAAAAAAAAAAAAAAAAAAAAAABQAAAAAAAAAwMD/AAAAAABkAAAAMgAAAAAAAABkAAAAAAAAAH9/fwAKAAAAIgAAABgAAAAAAAAAAAAAAAAAAAAAAAAAAAAAAAAAAAAkAAAAJAAAAAAAAAAHAAAAAAAAAAAAAAAAAAAAAAAAAAAAAAAAAAAAf39/ACUAAABYAAAAAAAAAAAAAAAAAAAAAAAAAAAAAAAAAAAAAAAAAAAAAAAAAAAAAAAAAAAAAAA/AAAAAAAAAKCGAQAAAAAAAAAAAAAAAAAMAAAAAQAAAAAAAAAAAAAAAAAAAB8AAABUAAAAAAAABQAAAAEAAAAAAAAAAAAAAAAAAAAAAAAAAAAAAAAAAAAAAAAAAAAAAAJ/f38AAAAAA8zMzADAwP8Af39/AAAAAAAAAAAAAAAAAAAAAAAAAAAAIQAAABgAAAAUAAAAKAUAAD8CAADYRQAAZwoAABAAAAAmAAAACAAAAAAAAAAAAAAAMAAAABQAAAAAAAAAAAD//wAAAQAAAP//AAABAA=="/>
               </a:ext>
             </a:extLst>
           </p:cNvSpPr>
@@ -2089,7 +2089,7 @@
             <a:spLocks noGrp="1" noChangeArrowheads="1"/>
             <a:extLst>
               <a:ext uri="smNativeData">
-                <pr:smNativeData xmlns="smNativeData" xmlns:pr="smNativeData" xmlns:p15="http://schemas.microsoft.com/office/powerpoint/2012/main" xmlns:p14="http://schemas.microsoft.com/office/powerpoint/2010/main" xmlns:mc="http://schemas.openxmlformats.org/markup-compatibility/2006" val="SMDATA_16_xzE7ZxMAAAAlAAAAZAAAAA0AAAAAkAAAAEgAAACQAAAASAAAAAAAAAAAAAAAAAAAAAEAAABQAAAAAAAAAAAA4D8AAAAAAADgPwAAAAAAAOA/AAAAAAAA4D8AAAAAAADgPwAAAAAAAOA/AAAAAAAA4D8AAAAAAADgPwAAAAAAAOA/AAAAAAAA4D8CAAAAjAAAAAAAAAAAAAAARHLEDP///wgAAAAAAAAAAAAAAAAAAAAAAAAAAAAAAAAAAAAAZAAAAAEAAABAAAAAAAAAAAAAAAAAAAAAAAAAAAAAAAAAAAAAAAAAAAAAAAAAAAAAAAAAAAAAAAAAAAAAAAAAAAAAAAAAAAAAAAAAAAAAAAAAAAAAAAAAAAAAAAAAAAAAFAAAADwAAAAAAAAAAAAAAAAAAAkUAAAAAQAAABQAAAAUAAAAFAAAAAEAAAAAAAAAZAAAAGQAAAAAAAAAZAAAAGQAAAAVAAAAYAAAAAAAAAAAAAAADwAAACADAAAAAAAAAAAAAAEAAACgMgAAVgcAAKr4//8BAAAAf39/AAEAAABkAAAAAAAAABQAAABAHwAAAAAAACYAAAAAAAAAwOD//wAAAAAmAAAAZAAAABYAAABMAAAAAAAAAAAAAAAEAAAAAAAAAAEAAADn5uYKAAAAACgAAAAoAAAAZAAAAGQAAAAAAAAAzMzMAAAAAABQAAAAUAAAAGQAAABkAAAAAAAAABcAAAAUAAAAAAAAAAAAAAD/fwAA/38AAAAAAAAJAAAABAAAANBJKLceAAAAaAAAAAAAAAAAAAAAAAAAAAAAAAAAAAAAECcAABAnAAAAAAAAAAAAAAAAAAAAAAAAAAAAAAAAAAAAAAAAAAAAABQAAAAAAAAAwMD/AAAAAABkAAAAMgAAAAAAAABkAAAAAAAAAH9/fwAKAAAAIgAAABgAAAAAAAAAAAAAAAAAAAAAAAAAAAAAAAAAAAAkAAAAJAAAAAAAAAAHAAAAAAAAAAAAAAAAAAAAAAAAAAAAAAAAAAAAf39/ACUAAABYAAAAAAAAAAAAAAAAAAAAAAAAAAAAAAAAAAAAAAAAAAAAAAAAAAAAAAAAAAAAAAA/AAAAAAAAAKCGAQAAAAAAAAAAAAAAAAAMAAAAAQAAAAAAAAAAAAAAAAAAAB8AAABUAAAAAAAABQAAAAEAAAAAAAAAAAAAAAAAAAAAAAAAAAAAAAAAAAAAAAAAAAAAAAJ/f38AAAAAA8zMzADAwP8Af39/AAAAAAAAAAAAAAAAAAAAAAAAAAAAIQAAABgAAAAUAAAAKAUAADsLAADYRQAAACYAABAAAAAmAAAACAAAAAAAAAAAAAAAMAAAABQAAAAAAAAAAAD//wAAAQAAAP//AAABAA=="/>
+                <pr:smNativeData xmlns:mc="http://schemas.openxmlformats.org/markup-compatibility/2006" xmlns:p14="http://schemas.microsoft.com/office/powerpoint/2010/main" xmlns:p15="http://schemas.microsoft.com/office/powerpoint/2012/main" xmlns:pr="smNativeData" xmlns="smNativeData" val="SMDATA_16_xzE7ZxMAAAAlAAAAZAAAAA0AAAAAkAAAAEgAAACQAAAASAAAAAAAAAAAAAAAAAAAAAEAAABQAAAAAAAAAAAA4D8AAAAAAADgPwAAAAAAAOA/AAAAAAAA4D8AAAAAAADgPwAAAAAAAOA/AAAAAAAA4D8AAAAAAADgPwAAAAAAAOA/AAAAAAAA4D8CAAAAjAAAAAAAAAAAAAAARHLEDP///wgAAAAAAAAAAAAAAAAAAAAAAAAAAAAAAAAAAAAAZAAAAAEAAABAAAAAAAAAAAAAAAAAAAAAAAAAAAAAAAAAAAAAAAAAAAAAAAAAAAAAAAAAAAAAAAAAAAAAAAAAAAAAAAAAAAAAAAAAAAAAAAAAAAAAAAAAAAAAAAAAAAAAFAAAADwAAAAAAAAAAAAAAAAAAAkUAAAAAQAAABQAAAAUAAAAFAAAAAEAAAAAAAAAZAAAAGQAAAAAAAAAZAAAAGQAAAAVAAAAYAAAAAAAAAAAAAAADwAAACADAAAAAAAAAAAAAAEAAACgMgAAVgcAAKr4//8BAAAAf39/AAEAAABkAAAAAAAAABQAAABAHwAAAAAAACYAAAAAAAAAwOD//wAAAAAmAAAAZAAAABYAAABMAAAAAAAAAAAAAAAEAAAAAAAAAAEAAADn5uYKAAAAACgAAAAoAAAAZAAAAGQAAAAAAAAAzMzMAAAAAABQAAAAUAAAAGQAAABkAAAAAAAAABcAAAAUAAAAAAAAAAAAAAD/fwAA/38AAAAAAAAJAAAABAAAANBJKLceAAAAaAAAAAAAAAAAAAAAAAAAAAAAAAAAAAAAECcAABAnAAAAAAAAAAAAAAAAAAAAAAAAAAAAAAAAAAAAAAAAAAAAABQAAAAAAAAAwMD/AAAAAABkAAAAMgAAAAAAAABkAAAAAAAAAH9/fwAKAAAAIgAAABgAAAAAAAAAAAAAAAAAAAAAAAAAAAAAAAAAAAAkAAAAJAAAAAAAAAAHAAAAAAAAAAAAAAAAAAAAAAAAAAAAAAAAAAAAf39/ACUAAABYAAAAAAAAAAAAAAAAAAAAAAAAAAAAAAAAAAAAAAAAAAAAAAAAAAAAAAAAAAAAAAA/AAAAAAAAAKCGAQAAAAAAAAAAAAAAAAAMAAAAAQAAAAAAAAAAAAAAAAAAAB8AAABUAAAAAAAABQAAAAEAAAAAAAAAAAAAAAAAAAAAAAAAAAAAAAAAAAAAAAAAAAAAAAJ/f38AAAAAA8zMzADAwP8Af39/AAAAAAAAAAAAAAAAAAAAAAAAAAAAIQAAABgAAAAUAAAAKAUAADsLAADYRQAAACYAABAAAAAmAAAACAAAAAAAAAAAAAAAMAAAABQAAAAAAAAAAAD//wAAAQAAAP//AAABAA=="/>
               </a:ext>
             </a:extLst>
           </p:cNvSpPr>
@@ -2150,7 +2150,7 @@
             <a:spLocks noGrp="1" noChangeArrowheads="1"/>
             <a:extLst>
               <a:ext uri="smNativeData">
-                <pr:smNativeData xmlns="smNativeData" xmlns:pr="smNativeData" xmlns:p15="http://schemas.microsoft.com/office/powerpoint/2012/main" xmlns:p14="http://schemas.microsoft.com/office/powerpoint/2010/main" xmlns:mc="http://schemas.openxmlformats.org/markup-compatibility/2006" val="SMDATA_16_xzE7ZxMAAAAlAAAAZAAAAA0AAAAAkAAAAEgAAACQAAAASAAAAAAAAAABAAAAAAAAAAEAAABQAAAAAAAAAAAA4D8AAAAAAADgPwAAAAAAAOA/AAAAAAAA4D8AAAAAAADgPwAAAAAAAOA/AAAAAAAA4D8AAAAAAADgPwAAAAAAAOA/AAAAAAAA4D8CAAAAjAAAAAAAAAAAAAAARHLEDP///wgAAAAAAAAAAAAAAAAAAAAAAAAAAAAAAAAAAAAAZAAAAAEAAABAAAAAAAAAAAAAAAAAAAAAAAAAAAAAAAAAAAAAAAAAAAAAAAAAAAAAAAAAAAAAAAAAAAAAAAAAAAAAAAAAAAAAAAAAAAAAAAAAAAAAAAAAAAAAAAAAAAAAFAAAADwAAAAAAAAAAAAAAAAAAAkUAAAAAQAAABQAAAAUAAAAFAAAAAEAAAAAAAAAZAAAAGQAAAAAAAAAZAAAAGQAAAAVAAAAYAAAAAAAAAAAAAAADwAAACADAAAAAAAAAAAAAAEAAACgMgAAVgcAAKr4//8BAAAAf39/AAEAAABkAAAAAAAAABQAAABAHwAAAAAAACYAAAAAAAAAwOD//wAAAAAmAAAAZAAAABYAAABMAAAAAAAAAAAAAAAEAAAAAAAAAAEAAADn5uYKAAAAACgAAAAoAAAAZAAAAGQAAAAAAAAAzMzMAAAAAABQAAAAUAAAAGQAAABkAAAAAAAAABcAAAAUAAAAAAAAAAAAAAD/fwAA/38AAAAAAAAJAAAABAAAAAAAAAAeAAAAaAAAAAAAAAAAAAAAAAAAAAAAAAAAAAAAECcAABAnAAAAAAAAAAAAAAAAAAAAAAAAAAAAAAAAAAAAAAAAAAAAABQAAAAAAAAAwMD/AAAAAABkAAAAMgAAAAAAAABkAAAAAAAAAH9/fwAKAAAAIgAAABgAAAAAAAAAAAAAAAAAAAAAAAAAAAAAAAAAAAAkAAAAJAAAAAAAAAAHAAAAAAAAAAAAAAAAAAAAAAAAAAAAAAAAAAAAf39/ACUAAABYAAAAAAAAAAAAAAAAAAAAAAAAAAAAAAAAAAAAAAAAAAAAAAAAAAAAAAAAAAAAAAA/AAAAAAAAAKCGAQAAAAAAAAAAAAAAAAAMAAAAAQAAAAAAAAAAAAAAAAAAAB8AAABUAAAAAAAABQAAAAEAAAAAAAAAAAAAAAAAAAAAAAAAAAAAAAAAAAAAAAAAAAAAAAJ/f38AAAAAA8zMzADAwP8Af39/AAAAAAAAAAAAAAAAAAAAAAAAAAAAIQAAABgAAAAUAAAAKAUAABonAAAIFgAAWSkAABAAAAAmAAAACAAAAAAAAAAAAAAAMAAAABQAAAAAAAAAAAD//wAAAQAAAP//AAABAA=="/>
+                <pr:smNativeData xmlns:mc="http://schemas.openxmlformats.org/markup-compatibility/2006" xmlns:p14="http://schemas.microsoft.com/office/powerpoint/2010/main" xmlns:p15="http://schemas.microsoft.com/office/powerpoint/2012/main" xmlns:pr="smNativeData" xmlns="smNativeData" val="SMDATA_16_xzE7ZxMAAAAlAAAAZAAAAA0AAAAAkAAAAEgAAACQAAAASAAAAAAAAAABAAAAAAAAAAEAAABQAAAAAAAAAAAA4D8AAAAAAADgPwAAAAAAAOA/AAAAAAAA4D8AAAAAAADgPwAAAAAAAOA/AAAAAAAA4D8AAAAAAADgPwAAAAAAAOA/AAAAAAAA4D8CAAAAjAAAAAAAAAAAAAAARHLEDP///wgAAAAAAAAAAAAAAAAAAAAAAAAAAAAAAAAAAAAAZAAAAAEAAABAAAAAAAAAAAAAAAAAAAAAAAAAAAAAAAAAAAAAAAAAAAAAAAAAAAAAAAAAAAAAAAAAAAAAAAAAAAAAAAAAAAAAAAAAAAAAAAAAAAAAAAAAAAAAAAAAAAAAFAAAADwAAAAAAAAAAAAAAAAAAAkUAAAAAQAAABQAAAAUAAAAFAAAAAEAAAAAAAAAZAAAAGQAAAAAAAAAZAAAAGQAAAAVAAAAYAAAAAAAAAAAAAAADwAAACADAAAAAAAAAAAAAAEAAACgMgAAVgcAAKr4//8BAAAAf39/AAEAAABkAAAAAAAAABQAAABAHwAAAAAAACYAAAAAAAAAwOD//wAAAAAmAAAAZAAAABYAAABMAAAAAAAAAAAAAAAEAAAAAAAAAAEAAADn5uYKAAAAACgAAAAoAAAAZAAAAGQAAAAAAAAAzMzMAAAAAABQAAAAUAAAAGQAAABkAAAAAAAAABcAAAAUAAAAAAAAAAAAAAD/fwAA/38AAAAAAAAJAAAABAAAAAAAAAAeAAAAaAAAAAAAAAAAAAAAAAAAAAAAAAAAAAAAECcAABAnAAAAAAAAAAAAAAAAAAAAAAAAAAAAAAAAAAAAAAAAAAAAABQAAAAAAAAAwMD/AAAAAABkAAAAMgAAAAAAAABkAAAAAAAAAH9/fwAKAAAAIgAAABgAAAAAAAAAAAAAAAAAAAAAAAAAAAAAAAAAAAAkAAAAJAAAAAAAAAAHAAAAAAAAAAAAAAAAAAAAAAAAAAAAAAAAAAAAf39/ACUAAABYAAAAAAAAAAAAAAAAAAAAAAAAAAAAAAAAAAAAAAAAAAAAAAAAAAAAAAAAAAAAAAA/AAAAAAAAAKCGAQAAAAAAAAAAAAAAAAAMAAAAAQAAAAAAAAAAAAAAAAAAAB8AAABUAAAAAAAABQAAAAEAAAAAAAAAAAAAAAAAAAAAAAAAAAAAAAAAAAAAAAAAAAAAAAJ/f38AAAAAA8zMzADAwP8Af39/AAAAAAAAAAAAAAAAAAAAAAAAAAAAIQAAABgAAAAUAAAAKAUAABonAAAIFgAAWSkAABAAAAAmAAAACAAAAAAAAAAAAAAAMAAAABQAAAAAAAAAAAD//wAAAQAAAP//AAABAA=="/>
               </a:ext>
             </a:extLst>
           </p:cNvSpPr>
@@ -2180,7 +2180,7 @@
             <a:spLocks noGrp="1" noChangeArrowheads="1"/>
             <a:extLst>
               <a:ext uri="smNativeData">
-                <pr:smNativeData xmlns="smNativeData" xmlns:pr="smNativeData" xmlns:p15="http://schemas.microsoft.com/office/powerpoint/2012/main" xmlns:p14="http://schemas.microsoft.com/office/powerpoint/2010/main" xmlns:mc="http://schemas.openxmlformats.org/markup-compatibility/2006" val="SMDATA_16_xzE7ZxMAAAAlAAAAZAAAAA0AAAAAkAAAAEgAAACQAAAASAAAAAAAAAABAAAAAAAAAAEAAABQAAAAAAAAAAAA4D8AAAAAAADgPwAAAAAAAOA/AAAAAAAA4D8AAAAAAADgPwAAAAAAAOA/AAAAAAAA4D8AAAAAAADgPwAAAAAAAOA/AAAAAAAA4D8CAAAAjAAAAAAAAAAAAAAARHLEDP///wgAAAAAAAAAAAAAAAAAAAAAAAAAAAAAAAAAAAAAZAAAAAEAAABAAAAAAAAAAAAAAAAAAAAAAAAAAAAAAAAAAAAAAAAAAAAAAAAAAAAAAAAAAAAAAAAAAAAAAAAAAAAAAAAAAAAAAAAAAAAAAAAAAAAAAAAAAAAAAAAAAAAAFAAAADwAAAAAAAAAAAAAAAAAAAkUAAAAAQAAABQAAAAUAAAAFAAAAAEAAAAAAAAAZAAAAGQAAAAAAAAAZAAAAGQAAAAVAAAAYAAAAAAAAAAAAAAADwAAACADAAAAAAAAAAAAAAEAAACgMgAAVgcAAKr4//8BAAAAf39/AAEAAABkAAAAAAAAABQAAABAHwAAAAAAACYAAAAAAAAAwOD//wAAAAAmAAAAZAAAABYAAABMAAAAAAAAAAAAAAAEAAAAAAAAAAEAAADn5uYKAAAAACgAAAAoAAAAZAAAAGQAAAAAAAAAzMzMAAAAAABQAAAAUAAAAGQAAABkAAAAAAAAABcAAAAUAAAAAAAAAAAAAAD/fwAA/38AAAAAAAAJAAAABAAAAGwAZQAeAAAAaAAAAAAAAAAAAAAAAAAAAAAAAAAAAAAAECcAABAnAAAAAAAAAAAAAAAAAAAAAAAAAAAAAAAAAAAAAAAAAAAAABQAAAAAAAAAwMD/AAAAAABkAAAAMgAAAAAAAABkAAAAAAAAAH9/fwAKAAAAIgAAABgAAAAAAAAAAAAAAAAAAAAAAAAAAAAAAAAAAAAkAAAAJAAAAAAAAAAHAAAAAAAAAAAAAAAAAAAAAAAAAAAAAAAAAAAAf39/ACUAAABYAAAAAAAAAAAAAAAAAAAAAAAAAAAAAAAAAAAAAAAAAAAAAAAAAAAAAAAAAAAAAAA/AAAAAAAAAKCGAQAAAAAAAAAAAAAAAAAMAAAAAQAAAAAAAAAAAAAAAAAAAB8AAABUAAAAAAAABQAAAAEAAAAAAAAAAAAAAAAAAAAAAAAAAAAAAAAAAAAAAAAAAAAAAAJ/f38AAAAAA8zMzADAwP8Af39/AAAAAAAAAAAAAAAAAAAAAAAAAAAAIQAAABgAAAAUAAAA2BgAABonAAAoMgAAWSkAABAAAAAmAAAACAAAAAAAAAAAAAAAMAAAABQAAAAAAAAAAAD//wAAAQAAAP//AAABAA=="/>
+                <pr:smNativeData xmlns:mc="http://schemas.openxmlformats.org/markup-compatibility/2006" xmlns:p14="http://schemas.microsoft.com/office/powerpoint/2010/main" xmlns:p15="http://schemas.microsoft.com/office/powerpoint/2012/main" xmlns:pr="smNativeData" xmlns="smNativeData" val="SMDATA_16_xzE7ZxMAAAAlAAAAZAAAAA0AAAAAkAAAAEgAAACQAAAASAAAAAAAAAABAAAAAAAAAAEAAABQAAAAAAAAAAAA4D8AAAAAAADgPwAAAAAAAOA/AAAAAAAA4D8AAAAAAADgPwAAAAAAAOA/AAAAAAAA4D8AAAAAAADgPwAAAAAAAOA/AAAAAAAA4D8CAAAAjAAAAAAAAAAAAAAARHLEDP///wgAAAAAAAAAAAAAAAAAAAAAAAAAAAAAAAAAAAAAZAAAAAEAAABAAAAAAAAAAAAAAAAAAAAAAAAAAAAAAAAAAAAAAAAAAAAAAAAAAAAAAAAAAAAAAAAAAAAAAAAAAAAAAAAAAAAAAAAAAAAAAAAAAAAAAAAAAAAAAAAAAAAAFAAAADwAAAAAAAAAAAAAAAAAAAkUAAAAAQAAABQAAAAUAAAAFAAAAAEAAAAAAAAAZAAAAGQAAAAAAAAAZAAAAGQAAAAVAAAAYAAAAAAAAAAAAAAADwAAACADAAAAAAAAAAAAAAEAAACgMgAAVgcAAKr4//8BAAAAf39/AAEAAABkAAAAAAAAABQAAABAHwAAAAAAACYAAAAAAAAAwOD//wAAAAAmAAAAZAAAABYAAABMAAAAAAAAAAAAAAAEAAAAAAAAAAEAAADn5uYKAAAAACgAAAAoAAAAZAAAAGQAAAAAAAAAzMzMAAAAAABQAAAAUAAAAGQAAABkAAAAAAAAABcAAAAUAAAAAAAAAAAAAAD/fwAA/38AAAAAAAAJAAAABAAAAGwAZQAeAAAAaAAAAAAAAAAAAAAAAAAAAAAAAAAAAAAAECcAABAnAAAAAAAAAAAAAAAAAAAAAAAAAAAAAAAAAAAAAAAAAAAAABQAAAAAAAAAwMD/AAAAAABkAAAAMgAAAAAAAABkAAAAAAAAAH9/fwAKAAAAIgAAABgAAAAAAAAAAAAAAAAAAAAAAAAAAAAAAAAAAAAkAAAAJAAAAAAAAAAHAAAAAAAAAAAAAAAAAAAAAAAAAAAAAAAAAAAAf39/ACUAAABYAAAAAAAAAAAAAAAAAAAAAAAAAAAAAAAAAAAAAAAAAAAAAAAAAAAAAAAAAAAAAAA/AAAAAAAAAKCGAQAAAAAAAAAAAAAAAAAMAAAAAQAAAAAAAAAAAAAAAAAAAB8AAABUAAAAAAAABQAAAAEAAAAAAAAAAAAAAAAAAAAAAAAAAAAAAAAAAAAAAAAAAAAAAAJ/f38AAAAAA8zMzADAwP8Af39/AAAAAAAAAAAAAAAAAAAAAAAAAAAAIQAAABgAAAAUAAAA2BgAABonAAAoMgAAWSkAABAAAAAmAAAACAAAAAAAAAAAAAAAMAAAABQAAAAAAAAAAAD//wAAAQAAAP//AAABAA=="/>
               </a:ext>
             </a:extLst>
           </p:cNvSpPr>
@@ -2207,7 +2207,7 @@
             <a:spLocks noGrp="1" noChangeArrowheads="1"/>
             <a:extLst>
               <a:ext uri="smNativeData">
-                <pr:smNativeData xmlns="smNativeData" xmlns:pr="smNativeData" xmlns:p15="http://schemas.microsoft.com/office/powerpoint/2012/main" xmlns:p14="http://schemas.microsoft.com/office/powerpoint/2010/main" xmlns:mc="http://schemas.openxmlformats.org/markup-compatibility/2006" val="SMDATA_16_xzE7ZxMAAAAlAAAAZAAAAA0AAAAAkAAAAEgAAACQAAAASAAAAAAAAAABAAAAAAAAAAEAAABQAAAAAAAAAAAA4D8AAAAAAADgPwAAAAAAAOA/AAAAAAAA4D8AAAAAAADgPwAAAAAAAOA/AAAAAAAA4D8AAAAAAADgPwAAAAAAAOA/AAAAAAAA4D8CAAAAjAAAAAAAAAAAAAAARHLEDP///wgAAAAAAAAAAAAAAAAAAAAAAAAAAAAAAAAAAAAAZAAAAAEAAABAAAAAAAAAAAAAAAAAAAAAAAAAAAAAAAAAAAAAAAAAAAAAAAAAAAAAAAAAAAAAAAAAAAAAAAAAAAAAAAAAAAAAAAAAAAAAAAAAAAAAAAAAAAAAAAAAAAAAFAAAADwAAAAAAAAAAAAAAAAAAAkUAAAAAQAAABQAAAAUAAAAFAAAAAEAAAAAAAAAZAAAAGQAAAAAAAAAZAAAAGQAAAAVAAAAYAAAAAAAAAAAAAAADwAAACADAAAAAAAAAAAAAAEAAACgMgAAVgcAAKr4//8BAAAAf39/AAEAAABkAAAAAAAAABQAAABAHwAAAAAAACYAAAAAAAAAwOD//wAAAAAmAAAAZAAAABYAAABMAAAAAAAAAAAAAAAEAAAAAAAAAAEAAADn5uYKAAAAACgAAAAoAAAAZAAAAGQAAAAAAAAAzMzMAAAAAABQAAAAUAAAAGQAAABkAAAAAAAAABcAAAAUAAAAAAAAAAAAAAD/fwAA/38AAAAAAAAJAAAABAAAAAAAAAAeAAAAaAAAAAAAAAAAAAAAAAAAAAAAAAAAAAAAECcAABAnAAAAAAAAAAAAAAAAAAAAAAAAAAAAAAAAAAAAAAAAAAAAABQAAAAAAAAAwMD/AAAAAABkAAAAMgAAAAAAAABkAAAAAAAAAH9/fwAKAAAAIgAAABgAAAAAAAAAAAAAAAAAAAAAAAAAAAAAAAAAAAAkAAAAJAAAAAAAAAAHAAAAAAAAAAAAAAAAAAAAAAAAAAAAAAAAAAAAf39/ACUAAABYAAAAAAAAAAAAAAAAAAAAAAAAAAAAAAAAAAAAAAAAAAAAAAAAAAAAAAAAAAAAAAA/AAAAAAAAAKCGAQAAAAAAAAAAAAAAAAAMAAAAAQAAAAAAAAAAAAAAAAAAAB8AAABUAAAAAAAABQAAAAEAAAAAAAAAAAAAAAAAAAAAAAAAAAAAAAAAAAAAAAAAAAAAAAJ/f38AAAAAA8zMzADAwP8Af39/AAAAAAAAAAAAAAAAAAAAAAAAAAAAIQAAABgAAAAUAAAA+DQAABonAADYRQAAWSkAABAAAAAmAAAACAAAAAAAAAAAAAAAMAAAABQAAAAAAAAAAAD//wAAAQAAAP//AAABAA=="/>
+                <pr:smNativeData xmlns:mc="http://schemas.openxmlformats.org/markup-compatibility/2006" xmlns:p14="http://schemas.microsoft.com/office/powerpoint/2010/main" xmlns:p15="http://schemas.microsoft.com/office/powerpoint/2012/main" xmlns:pr="smNativeData" xmlns="smNativeData" val="SMDATA_16_xzE7ZxMAAAAlAAAAZAAAAA0AAAAAkAAAAEgAAACQAAAASAAAAAAAAAABAAAAAAAAAAEAAABQAAAAAAAAAAAA4D8AAAAAAADgPwAAAAAAAOA/AAAAAAAA4D8AAAAAAADgPwAAAAAAAOA/AAAAAAAA4D8AAAAAAADgPwAAAAAAAOA/AAAAAAAA4D8CAAAAjAAAAAAAAAAAAAAARHLEDP///wgAAAAAAAAAAAAAAAAAAAAAAAAAAAAAAAAAAAAAZAAAAAEAAABAAAAAAAAAAAAAAAAAAAAAAAAAAAAAAAAAAAAAAAAAAAAAAAAAAAAAAAAAAAAAAAAAAAAAAAAAAAAAAAAAAAAAAAAAAAAAAAAAAAAAAAAAAAAAAAAAAAAAFAAAADwAAAAAAAAAAAAAAAAAAAkUAAAAAQAAABQAAAAUAAAAFAAAAAEAAAAAAAAAZAAAAGQAAAAAAAAAZAAAAGQAAAAVAAAAYAAAAAAAAAAAAAAADwAAACADAAAAAAAAAAAAAAEAAACgMgAAVgcAAKr4//8BAAAAf39/AAEAAABkAAAAAAAAABQAAABAHwAAAAAAACYAAAAAAAAAwOD//wAAAAAmAAAAZAAAABYAAABMAAAAAAAAAAAAAAAEAAAAAAAAAAEAAADn5uYKAAAAACgAAAAoAAAAZAAAAGQAAAAAAAAAzMzMAAAAAABQAAAAUAAAAGQAAABkAAAAAAAAABcAAAAUAAAAAAAAAAAAAAD/fwAA/38AAAAAAAAJAAAABAAAAAAAAAAeAAAAaAAAAAAAAAAAAAAAAAAAAAAAAAAAAAAAECcAABAnAAAAAAAAAAAAAAAAAAAAAAAAAAAAAAAAAAAAAAAAAAAAABQAAAAAAAAAwMD/AAAAAABkAAAAMgAAAAAAAABkAAAAAAAAAH9/fwAKAAAAIgAAABgAAAAAAAAAAAAAAAAAAAAAAAAAAAAAAAAAAAAkAAAAJAAAAAAAAAAHAAAAAAAAAAAAAAAAAAAAAAAAAAAAAAAAAAAAf39/ACUAAABYAAAAAAAAAAAAAAAAAAAAAAAAAAAAAAAAAAAAAAAAAAAAAAAAAAAAAAAAAAAAAAA/AAAAAAAAAKCGAQAAAAAAAAAAAAAAAAAMAAAAAQAAAAAAAAAAAAAAAAAAAB8AAABUAAAAAAAABQAAAAEAAAAAAAAAAAAAAAAAAAAAAAAAAAAAAAAAAAAAAAAAAAAAAAJ/f38AAAAAA8zMzADAwP8Af39/AAAAAAAAAAAAAAAAAAAAAAAAAAAAIQAAABgAAAAUAAAA+DQAABonAADYRQAAWSkAABAAAAAmAAAACAAAAAAAAAAAAAAAMAAAABQAAAAAAAAAAAD//wAAAQAAAP//AAABAA=="/>
               </a:ext>
             </a:extLst>
           </p:cNvSpPr>
@@ -2263,7 +2263,7 @@
             <a:spLocks noGrp="1" noChangeArrowheads="1"/>
             <a:extLst>
               <a:ext uri="smNativeData">
-                <pr:smNativeData xmlns="smNativeData" xmlns:pr="smNativeData" xmlns:p15="http://schemas.microsoft.com/office/powerpoint/2012/main" xmlns:p14="http://schemas.microsoft.com/office/powerpoint/2010/main" xmlns:mc="http://schemas.openxmlformats.org/markup-compatibility/2006" val="SMDATA_16_xzE7ZxMAAAAlAAAAZAAAAA0AAAAAkAAAAEgAAACQAAAASAAAAAAAAAACAAAAAAAAAAEAAABQAAAAAAAAAAAA4D8AAAAAAADgPwAAAAAAAOA/AAAAAAAA4D8AAAAAAADgPwAAAAAAAOA/AAAAAAAA4D8AAAAAAADgPwAAAAAAAOA/AAAAAAAA4D8CAAAAjAAAAAAAAAAAAAAARHLEDP///wgAAAAAAAAAAAAAAAAAAAAAAAAAAAAAAAAAAAAAZAAAAAEAAABAAAAAAAAAAAAAAAAAAAAAAAAAAAAAAAAAAAAAAAAAAAAAAAAAAAAAAAAAAAAAAAAAAAAAAAAAAAAAAAAAAAAAAAAAAAAAAAAAAAAAAAAAAAAAAAAAAAAAFAAAADwAAAAAAAAAAAAAAAAAAAkUAAAAAQAAABQAAAAUAAAAFAAAAAEAAAAAAAAAZAAAAGQAAAAAAAAAZAAAAGQAAAAVAAAAYAAAAAAAAAAAAAAADwAAACADAAAAAAAAAAAAAAEAAACgMgAAVgcAAKr4//8BAAAAf39/AAEAAABkAAAAAAAAABQAAABAHwAAAAAAACYAAAAAAAAAwOD//wAAAAAmAAAAZAAAABYAAABMAAAAAAAAAAAAAAAEAAAAAAAAAAEAAADn5uYKAAAAACgAAAAoAAAAZAAAAGQAAAAAAAAAzMzMAAAAAABQAAAAUAAAAGQAAABkAAAAAAAAABcAAAAUAAAAAAAAAAAAAAD/fwAA/38AAAAAAAAJAAAABAAAAAAAAAAeAAAAaAAAAAAAAAAAAAAAAAAAAAAAAAAAAAAAECcAABAnAAAAAAAAAAAAAAAAAAAAAAAAAAAAAAAAAAAAAAAAAAAAABQAAAAAAAAAwMD/AAAAAABkAAAAMgAAAAAAAABkAAAAAAAAAH9/fwAKAAAAIgAAABgAAAAAAAAAAAAAAAAAAAAAAAAAAAAAAAAAAAAkAAAAJAAAAAAAAAAHAAAAAAAAAAAAAAAAAAAAAAAAAAAAAAAAAAAAf39/ACUAAABYAAAAAAAAAAAAAAAAAAAAAAAAAAAAAAAAAAAAAAAAAAAAAAAAAAAAAAAAAAAAAAA/AAAAAAAAAKCGAQAAAAAAAAAAAAAAAAAMAAAAAQAAAAAAAAAAAAAAAAAAAB8AAABUAAAAAAAABQAAAAEAAAAAAAAAAAAAAAAAAAAAAAAAAAAAAAAAAAAAAAAAAAAAAAJ/f38AAAAAA8zMzADAwP8Af39/AAAAAAAAAAAAAAAAAAAAAAAAAAAAIQAAABgAAAAUAAAAHgUAAIUKAADORQAAERwAABAAAAAmAAAACAAAAIGAAAAAAAAAMAAAABQAAAAAAAAAAAD//wAAAQAAAP//AAABAA=="/>
+                <pr:smNativeData xmlns:mc="http://schemas.openxmlformats.org/markup-compatibility/2006" xmlns:p14="http://schemas.microsoft.com/office/powerpoint/2010/main" xmlns:p15="http://schemas.microsoft.com/office/powerpoint/2012/main" xmlns:pr="smNativeData" xmlns="smNativeData" val="SMDATA_16_xzE7ZxMAAAAlAAAAZAAAAA0AAAAAkAAAAEgAAACQAAAASAAAAAAAAAACAAAAAAAAAAEAAABQAAAAAAAAAAAA4D8AAAAAAADgPwAAAAAAAOA/AAAAAAAA4D8AAAAAAADgPwAAAAAAAOA/AAAAAAAA4D8AAAAAAADgPwAAAAAAAOA/AAAAAAAA4D8CAAAAjAAAAAAAAAAAAAAARHLEDP///wgAAAAAAAAAAAAAAAAAAAAAAAAAAAAAAAAAAAAAZAAAAAEAAABAAAAAAAAAAAAAAAAAAAAAAAAAAAAAAAAAAAAAAAAAAAAAAAAAAAAAAAAAAAAAAAAAAAAAAAAAAAAAAAAAAAAAAAAAAAAAAAAAAAAAAAAAAAAAAAAAAAAAFAAAADwAAAAAAAAAAAAAAAAAAAkUAAAAAQAAABQAAAAUAAAAFAAAAAEAAAAAAAAAZAAAAGQAAAAAAAAAZAAAAGQAAAAVAAAAYAAAAAAAAAAAAAAADwAAACADAAAAAAAAAAAAAAEAAACgMgAAVgcAAKr4//8BAAAAf39/AAEAAABkAAAAAAAAABQAAABAHwAAAAAAACYAAAAAAAAAwOD//wAAAAAmAAAAZAAAABYAAABMAAAAAAAAAAAAAAAEAAAAAAAAAAEAAADn5uYKAAAAACgAAAAoAAAAZAAAAGQAAAAAAAAAzMzMAAAAAABQAAAAUAAAAGQAAABkAAAAAAAAABcAAAAUAAAAAAAAAAAAAAD/fwAA/38AAAAAAAAJAAAABAAAAAAAAAAeAAAAaAAAAAAAAAAAAAAAAAAAAAAAAAAAAAAAECcAABAnAAAAAAAAAAAAAAAAAAAAAAAAAAAAAAAAAAAAAAAAAAAAABQAAAAAAAAAwMD/AAAAAABkAAAAMgAAAAAAAABkAAAAAAAAAH9/fwAKAAAAIgAAABgAAAAAAAAAAAAAAAAAAAAAAAAAAAAAAAAAAAAkAAAAJAAAAAAAAAAHAAAAAAAAAAAAAAAAAAAAAAAAAAAAAAAAAAAAf39/ACUAAABYAAAAAAAAAAAAAAAAAAAAAAAAAAAAAAAAAAAAAAAAAAAAAAAAAAAAAAAAAAAAAAA/AAAAAAAAAKCGAQAAAAAAAAAAAAAAAAAMAAAAAQAAAAAAAAAAAAAAAAAAAB8AAABUAAAAAAAABQAAAAEAAAAAAAAAAAAAAAAAAAAAAAAAAAAAAAAAAAAAAAAAAAAAAAJ/f38AAAAAA8zMzADAwP8Af39/AAAAAAAAAAAAAAAAAAAAAAAAAAAAIQAAABgAAAAUAAAAHgUAAIUKAADORQAAERwAABAAAAAmAAAACAAAAIGAAAAAAAAAMAAAABQAAAAAAAAAAAD//wAAAQAAAP//AAABAA=="/>
               </a:ext>
             </a:extLst>
           </p:cNvSpPr>
@@ -2329,7 +2329,7 @@
             <a:spLocks noGrp="1" noChangeArrowheads="1"/>
             <a:extLst>
               <a:ext uri="smNativeData">
-                <pr:smNativeData xmlns="smNativeData" xmlns:pr="smNativeData" xmlns:p15="http://schemas.microsoft.com/office/powerpoint/2012/main" xmlns:p14="http://schemas.microsoft.com/office/powerpoint/2010/main" xmlns:mc="http://schemas.openxmlformats.org/markup-compatibility/2006" val="SMDATA_16_xzE7ZxMAAAAlAAAAZAAAAA0AAAAAkAAAAEgAAACQAAAASAAAAAAAAAAAAAAAAAAAAAEAAABQAAAAAAAAAAAA4D8AAAAAAADgPwAAAAAAAOA/AAAAAAAA4D8AAAAAAADgPwAAAAAAAOA/AAAAAAAA4D8AAAAAAADgPwAAAAAAAOA/AAAAAAAA4D8CAAAAjAAAAAAAAAAAAAAARHLEDP///wgAAAAAAAAAAAAAAAAAAAAAAAAAAAAAAAAAAAAAZAAAAAEAAABAAAAAAAAAAAAAAAAAAAAAAAAAAAAAAAAAAAAAAAAAAAAAAAAAAAAAAAAAAAAAAAAAAAAAAAAAAAAAAAAAAAAAAAAAAAAAAAAAAAAAAAAAAAAAAAAAAAAAFAAAADwAAAAAAAAAAAAAAAAAAAkUAAAAAQAAABQAAAAUAAAAFAAAAAEAAAAAAAAAZAAAAGQAAAAAAAAAZAAAAGQAAAAVAAAAYAAAAAAAAAAAAAAADwAAACADAAAAAAAAAAAAAAEAAACgMgAAVgcAAKr4//8BAAAAf39/AAEAAABkAAAAAAAAABQAAABAHwAAAAAAACYAAAAAAAAAwOD//wAAAAAmAAAAZAAAABYAAABMAAAAAAAAAAAAAAAEAAAAAAAAAAEAAADn5uYKAAAAACgAAAAoAAAAZAAAAGQAAAAAAAAAzMzMAAAAAABQAAAAUAAAAGQAAABkAAAAAAAAABcAAAAUAAAAAAAAAAAAAAD/fwAA/38AAAAAAAAJAAAABAAAAAAAAAAeAAAAaAAAAAAAAAAAAAAAAAAAAAAAAAAAAAAAECcAABAnAAAAAAAAAAAAAAAAAAAAAAAAAAAAAAAAAAAAAAAAAAAAABQAAAAAAAAAwMD/AAAAAABkAAAAMgAAAAAAAABkAAAAAAAAAH9/fwAKAAAAIgAAABgAAAAAAAAAAAAAAAAAAAAAAAAAAAAAAAAAAAAkAAAAJAAAAAAAAAAHAAAAAAAAAAAAAAAAAAAAAAAAAAAAAAAAAAAAf39/ACUAAABYAAAAAAAAAAAAAAAAAAAAAAAAAAAAAAAAAAAAAAAAAAAAAAAAAAAAAAAAAAAAAAA/AAAAAAAAAKCGAQAAAAAAAAAAAAAAAAAMAAAAAQAAAAAAAAAAAAAAAAAAAB8AAABUAAAAAAAABQAAAAEAAAAAAAAAAAAAAAAAAAAAAAAAAAAAAAAAAAAAAAAAAAAAAAJ/f38AAAAAA8zMzADAwP8Af39/AAAAAAAAAAAAAAAAAAAAAAAAAAAAIQAAABgAAAAUAAAAHgUAADwcAADORQAAdiUAABAAAAAmAAAACAAAAAGAAAAAAAAAMAAAABQAAAAAAAAAAAD//wAAAQAAAP//AAABAA=="/>
+                <pr:smNativeData xmlns:mc="http://schemas.openxmlformats.org/markup-compatibility/2006" xmlns:p14="http://schemas.microsoft.com/office/powerpoint/2010/main" xmlns:p15="http://schemas.microsoft.com/office/powerpoint/2012/main" xmlns:pr="smNativeData" xmlns="smNativeData" val="SMDATA_16_xzE7ZxMAAAAlAAAAZAAAAA0AAAAAkAAAAEgAAACQAAAASAAAAAAAAAAAAAAAAAAAAAEAAABQAAAAAAAAAAAA4D8AAAAAAADgPwAAAAAAAOA/AAAAAAAA4D8AAAAAAADgPwAAAAAAAOA/AAAAAAAA4D8AAAAAAADgPwAAAAAAAOA/AAAAAAAA4D8CAAAAjAAAAAAAAAAAAAAARHLEDP///wgAAAAAAAAAAAAAAAAAAAAAAAAAAAAAAAAAAAAAZAAAAAEAAABAAAAAAAAAAAAAAAAAAAAAAAAAAAAAAAAAAAAAAAAAAAAAAAAAAAAAAAAAAAAAAAAAAAAAAAAAAAAAAAAAAAAAAAAAAAAAAAAAAAAAAAAAAAAAAAAAAAAAFAAAADwAAAAAAAAAAAAAAAAAAAkUAAAAAQAAABQAAAAUAAAAFAAAAAEAAAAAAAAAZAAAAGQAAAAAAAAAZAAAAGQAAAAVAAAAYAAAAAAAAAAAAAAADwAAACADAAAAAAAAAAAAAAEAAACgMgAAVgcAAKr4//8BAAAAf39/AAEAAABkAAAAAAAAABQAAABAHwAAAAAAACYAAAAAAAAAwOD//wAAAAAmAAAAZAAAABYAAABMAAAAAAAAAAAAAAAEAAAAAAAAAAEAAADn5uYKAAAAACgAAAAoAAAAZAAAAGQAAAAAAAAAzMzMAAAAAABQAAAAUAAAAGQAAABkAAAAAAAAABcAAAAUAAAAAAAAAAAAAAD/fwAA/38AAAAAAAAJAAAABAAAAAAAAAAeAAAAaAAAAAAAAAAAAAAAAAAAAAAAAAAAAAAAECcAABAnAAAAAAAAAAAAAAAAAAAAAAAAAAAAAAAAAAAAAAAAAAAAABQAAAAAAAAAwMD/AAAAAABkAAAAMgAAAAAAAABkAAAAAAAAAH9/fwAKAAAAIgAAABgAAAAAAAAAAAAAAAAAAAAAAAAAAAAAAAAAAAAkAAAAJAAAAAAAAAAHAAAAAAAAAAAAAAAAAAAAAAAAAAAAAAAAAAAAf39/ACUAAABYAAAAAAAAAAAAAAAAAAAAAAAAAAAAAAAAAAAAAAAAAAAAAAAAAAAAAAAAAAAAAAA/AAAAAAAAAKCGAQAAAAAAAAAAAAAAAAAMAAAAAQAAAAAAAAAAAAAAAAAAAB8AAABUAAAAAAAABQAAAAEAAAAAAAAAAAAAAAAAAAAAAAAAAAAAAAAAAAAAAAAAAAAAAAJ/f38AAAAAA8zMzADAwP8Af39/AAAAAAAAAAAAAAAAAAAAAAAAAAAAIQAAABgAAAAUAAAAHgUAADwcAADORQAAdiUAABAAAAAmAAAACAAAAAGAAAAAAAAAMAAAABQAAAAAAAAAAAD//wAAAQAAAP//AAABAA=="/>
               </a:ext>
             </a:extLst>
           </p:cNvSpPr>
@@ -2436,7 +2436,7 @@
             <a:spLocks noGrp="1" noChangeArrowheads="1"/>
             <a:extLst>
               <a:ext uri="smNativeData">
-                <pr:smNativeData xmlns="smNativeData" xmlns:pr="smNativeData" xmlns:p15="http://schemas.microsoft.com/office/powerpoint/2012/main" xmlns:p14="http://schemas.microsoft.com/office/powerpoint/2010/main" xmlns:mc="http://schemas.openxmlformats.org/markup-compatibility/2006" val="SMDATA_16_xzE7ZxMAAAAlAAAAZAAAAA0AAAAAkAAAAEgAAACQAAAASAAAAAAAAAABAAAAAAAAAAEAAABQAAAAAAAAAAAA4D8AAAAAAADgPwAAAAAAAOA/AAAAAAAA4D8AAAAAAADgPwAAAAAAAOA/AAAAAAAA4D8AAAAAAADgPwAAAAAAAOA/AAAAAAAA4D8CAAAAjAAAAAAAAAAAAAAARHLEDP///wgAAAAAAAAAAAAAAAAAAAAAAAAAAAAAAAAAAAAAZAAAAAEAAABAAAAAAAAAAAAAAAAAAAAAAAAAAAAAAAAAAAAAAAAAAAAAAAAAAAAAAAAAAAAAAAAAAAAAAAAAAAAAAAAAAAAAAAAAAAAAAAAAAAAAAAAAAAAAAAAAAAAAFAAAADwAAAAAAAAAAAAAAAAAAAkUAAAAAQAAABQAAAAUAAAAFAAAAAEAAAAAAAAAZAAAAGQAAAAAAAAAZAAAAGQAAAAVAAAAYAAAAAAAAAAAAAAADwAAACADAAAAAAAAAAAAAAEAAACgMgAAVgcAAKr4//8BAAAAf39/AAEAAABkAAAAAAAAABQAAABAHwAAAAAAACYAAAAAAAAAwOD//wAAAAAmAAAAZAAAABYAAABMAAAAAAAAAAAAAAAEAAAAAAAAAAEAAADn5uYKAAAAACgAAAAoAAAAZAAAAGQAAAAAAAAAzMzMAAAAAABQAAAAUAAAAGQAAABkAAAAAAAAABcAAAAUAAAAAAAAAAAAAAD/fwAA/38AAAAAAAAJAAAABAAAAAAAAAAeAAAAaAAAAAAAAAAAAAAAAAAAAAAAAAAAAAAAECcAABAnAAAAAAAAAAAAAAAAAAAAAAAAAAAAAAAAAAAAAAAAAAAAABQAAAAAAAAAwMD/AAAAAABkAAAAMgAAAAAAAABkAAAAAAAAAH9/fwAKAAAAIgAAABgAAAAAAAAAAAAAAAAAAAAAAAAAAAAAAAAAAAAkAAAAJAAAAAAAAAAHAAAAAAAAAAAAAAAAAAAAAAAAAAAAAAAAAAAAf39/ACUAAABYAAAAAAAAAAAAAAAAAAAAAAAAAAAAAAAAAAAAAAAAAAAAAAAAAAAAAAAAAAAAAAA/AAAAAAAAAKCGAQAAAAAAAAAAAAAAAAAMAAAAAQAAAAAAAAAAAAAAAAAAAB8AAABUAAAAAAAABQAAAAEAAAAAAAAAAAAAAAAAAAAAAAAAAAAAAAAAAAAAAAAAAAAAAAJ/f38AAAAAA8zMzADAwP8Af39/AAAAAAAAAAAAAAAAAAAAAAAAAAAAIQAAABgAAAAUAAAAKAUAABonAAAIFgAAWSkAABAAAAAmAAAACAAAAAAAAAAAAAAAMAAAABQAAAAAAAAAAAD//wAAAQAAAP//AAABAA=="/>
+                <pr:smNativeData xmlns:mc="http://schemas.openxmlformats.org/markup-compatibility/2006" xmlns:p14="http://schemas.microsoft.com/office/powerpoint/2010/main" xmlns:p15="http://schemas.microsoft.com/office/powerpoint/2012/main" xmlns:pr="smNativeData" xmlns="smNativeData" val="SMDATA_16_xzE7ZxMAAAAlAAAAZAAAAA0AAAAAkAAAAEgAAACQAAAASAAAAAAAAAABAAAAAAAAAAEAAABQAAAAAAAAAAAA4D8AAAAAAADgPwAAAAAAAOA/AAAAAAAA4D8AAAAAAADgPwAAAAAAAOA/AAAAAAAA4D8AAAAAAADgPwAAAAAAAOA/AAAAAAAA4D8CAAAAjAAAAAAAAAAAAAAARHLEDP///wgAAAAAAAAAAAAAAAAAAAAAAAAAAAAAAAAAAAAAZAAAAAEAAABAAAAAAAAAAAAAAAAAAAAAAAAAAAAAAAAAAAAAAAAAAAAAAAAAAAAAAAAAAAAAAAAAAAAAAAAAAAAAAAAAAAAAAAAAAAAAAAAAAAAAAAAAAAAAAAAAAAAAFAAAADwAAAAAAAAAAAAAAAAAAAkUAAAAAQAAABQAAAAUAAAAFAAAAAEAAAAAAAAAZAAAAGQAAAAAAAAAZAAAAGQAAAAVAAAAYAAAAAAAAAAAAAAADwAAACADAAAAAAAAAAAAAAEAAACgMgAAVgcAAKr4//8BAAAAf39/AAEAAABkAAAAAAAAABQAAABAHwAAAAAAACYAAAAAAAAAwOD//wAAAAAmAAAAZAAAABYAAABMAAAAAAAAAAAAAAAEAAAAAAAAAAEAAADn5uYKAAAAACgAAAAoAAAAZAAAAGQAAAAAAAAAzMzMAAAAAABQAAAAUAAAAGQAAABkAAAAAAAAABcAAAAUAAAAAAAAAAAAAAD/fwAA/38AAAAAAAAJAAAABAAAAAAAAAAeAAAAaAAAAAAAAAAAAAAAAAAAAAAAAAAAAAAAECcAABAnAAAAAAAAAAAAAAAAAAAAAAAAAAAAAAAAAAAAAAAAAAAAABQAAAAAAAAAwMD/AAAAAABkAAAAMgAAAAAAAABkAAAAAAAAAH9/fwAKAAAAIgAAABgAAAAAAAAAAAAAAAAAAAAAAAAAAAAAAAAAAAAkAAAAJAAAAAAAAAAHAAAAAAAAAAAAAAAAAAAAAAAAAAAAAAAAAAAAf39/ACUAAABYAAAAAAAAAAAAAAAAAAAAAAAAAAAAAAAAAAAAAAAAAAAAAAAAAAAAAAAAAAAAAAA/AAAAAAAAAKCGAQAAAAAAAAAAAAAAAAAMAAAAAQAAAAAAAAAAAAAAAAAAAB8AAABUAAAAAAAABQAAAAEAAAAAAAAAAAAAAAAAAAAAAAAAAAAAAAAAAAAAAAAAAAAAAAJ/f38AAAAAA8zMzADAwP8Af39/AAAAAAAAAAAAAAAAAAAAAAAAAAAAIQAAABgAAAAUAAAAKAUAABonAAAIFgAAWSkAABAAAAAmAAAACAAAAAAAAAAAAAAAMAAAABQAAAAAAAAAAAD//wAAAQAAAP//AAABAA=="/>
               </a:ext>
             </a:extLst>
           </p:cNvSpPr>
@@ -2466,7 +2466,7 @@
             <a:spLocks noGrp="1" noChangeArrowheads="1"/>
             <a:extLst>
               <a:ext uri="smNativeData">
-                <pr:smNativeData xmlns="smNativeData" xmlns:pr="smNativeData" xmlns:p15="http://schemas.microsoft.com/office/powerpoint/2012/main" xmlns:p14="http://schemas.microsoft.com/office/powerpoint/2010/main" xmlns:mc="http://schemas.openxmlformats.org/markup-compatibility/2006" val="SMDATA_16_xzE7ZxMAAAAlAAAAZAAAAA0AAAAAkAAAAEgAAACQAAAASAAAAAAAAAABAAAAAAAAAAEAAABQAAAAAAAAAAAA4D8AAAAAAADgPwAAAAAAAOA/AAAAAAAA4D8AAAAAAADgPwAAAAAAAOA/AAAAAAAA4D8AAAAAAADgPwAAAAAAAOA/AAAAAAAA4D8CAAAAjAAAAAAAAAAAAAAARHLEDP///wgAAAAAAAAAAAAAAAAAAAAAAAAAAAAAAAAAAAAAZAAAAAEAAABAAAAAAAAAAAAAAAAAAAAAAAAAAAAAAAAAAAAAAAAAAAAAAAAAAAAAAAAAAAAAAAAAAAAAAAAAAAAAAAAAAAAAAAAAAAAAAAAAAAAAAAAAAAAAAAAAAAAAFAAAADwAAAAAAAAAAAAAAAAAAAkUAAAAAQAAABQAAAAUAAAAFAAAAAEAAAAAAAAAZAAAAGQAAAAAAAAAZAAAAGQAAAAVAAAAYAAAAAAAAAAAAAAADwAAACADAAAAAAAAAAAAAAEAAACgMgAAVgcAAKr4//8BAAAAf39/AAEAAABkAAAAAAAAABQAAABAHwAAAAAAACYAAAAAAAAAwOD//wAAAAAmAAAAZAAAABYAAABMAAAAAAAAAAAAAAAEAAAAAAAAAAEAAADn5uYKAAAAACgAAAAoAAAAZAAAAGQAAAAAAAAAzMzMAAAAAABQAAAAUAAAAGQAAABkAAAAAAAAABcAAAAUAAAAAAAAAAAAAAD/fwAA/38AAAAAAAAJAAAABAAAAAAAAAAeAAAAaAAAAAAAAAAAAAAAAAAAAAAAAAAAAAAAECcAABAnAAAAAAAAAAAAAAAAAAAAAAAAAAAAAAAAAAAAAAAAAAAAABQAAAAAAAAAwMD/AAAAAABkAAAAMgAAAAAAAABkAAAAAAAAAH9/fwAKAAAAIgAAABgAAAAAAAAAAAAAAAAAAAAAAAAAAAAAAAAAAAAkAAAAJAAAAAAAAAAHAAAAAAAAAAAAAAAAAAAAAAAAAAAAAAAAAAAAf39/ACUAAABYAAAAAAAAAAAAAAAAAAAAAAAAAAAAAAAAAAAAAAAAAAAAAAAAAAAAAAAAAAAAAAA/AAAAAAAAAKCGAQAAAAAAAAAAAAAAAAAMAAAAAQAAAAAAAAAAAAAAAAAAAB8AAABUAAAAAAAABQAAAAEAAAAAAAAAAAAAAAAAAAAAAAAAAAAAAAAAAAAAAAAAAAAAAAJ/f38AAAAAA8zMzADAwP8Af39/AAAAAAAAAAAAAAAAAAAAAAAAAAAAIQAAABgAAAAUAAAA2BgAABonAAAoMgAAWSkAABAAAAAmAAAACAAAAAAAAAAAAAAAMAAAABQAAAAAAAAAAAD//wAAAQAAAP//AAABAA=="/>
+                <pr:smNativeData xmlns:mc="http://schemas.openxmlformats.org/markup-compatibility/2006" xmlns:p14="http://schemas.microsoft.com/office/powerpoint/2010/main" xmlns:p15="http://schemas.microsoft.com/office/powerpoint/2012/main" xmlns:pr="smNativeData" xmlns="smNativeData" val="SMDATA_16_xzE7ZxMAAAAlAAAAZAAAAA0AAAAAkAAAAEgAAACQAAAASAAAAAAAAAABAAAAAAAAAAEAAABQAAAAAAAAAAAA4D8AAAAAAADgPwAAAAAAAOA/AAAAAAAA4D8AAAAAAADgPwAAAAAAAOA/AAAAAAAA4D8AAAAAAADgPwAAAAAAAOA/AAAAAAAA4D8CAAAAjAAAAAAAAAAAAAAARHLEDP///wgAAAAAAAAAAAAAAAAAAAAAAAAAAAAAAAAAAAAAZAAAAAEAAABAAAAAAAAAAAAAAAAAAAAAAAAAAAAAAAAAAAAAAAAAAAAAAAAAAAAAAAAAAAAAAAAAAAAAAAAAAAAAAAAAAAAAAAAAAAAAAAAAAAAAAAAAAAAAAAAAAAAAFAAAADwAAAAAAAAAAAAAAAAAAAkUAAAAAQAAABQAAAAUAAAAFAAAAAEAAAAAAAAAZAAAAGQAAAAAAAAAZAAAAGQAAAAVAAAAYAAAAAAAAAAAAAAADwAAACADAAAAAAAAAAAAAAEAAACgMgAAVgcAAKr4//8BAAAAf39/AAEAAABkAAAAAAAAABQAAABAHwAAAAAAACYAAAAAAAAAwOD//wAAAAAmAAAAZAAAABYAAABMAAAAAAAAAAAAAAAEAAAAAAAAAAEAAADn5uYKAAAAACgAAAAoAAAAZAAAAGQAAAAAAAAAzMzMAAAAAABQAAAAUAAAAGQAAABkAAAAAAAAABcAAAAUAAAAAAAAAAAAAAD/fwAA/38AAAAAAAAJAAAABAAAAAAAAAAeAAAAaAAAAAAAAAAAAAAAAAAAAAAAAAAAAAAAECcAABAnAAAAAAAAAAAAAAAAAAAAAAAAAAAAAAAAAAAAAAAAAAAAABQAAAAAAAAAwMD/AAAAAABkAAAAMgAAAAAAAABkAAAAAAAAAH9/fwAKAAAAIgAAABgAAAAAAAAAAAAAAAAAAAAAAAAAAAAAAAAAAAAkAAAAJAAAAAAAAAAHAAAAAAAAAAAAAAAAAAAAAAAAAAAAAAAAAAAAf39/ACUAAABYAAAAAAAAAAAAAAAAAAAAAAAAAAAAAAAAAAAAAAAAAAAAAAAAAAAAAAAAAAAAAAA/AAAAAAAAAKCGAQAAAAAAAAAAAAAAAAAMAAAAAQAAAAAAAAAAAAAAAAAAAB8AAABUAAAAAAAABQAAAAEAAAAAAAAAAAAAAAAAAAAAAAAAAAAAAAAAAAAAAAAAAAAAAAJ/f38AAAAAA8zMzADAwP8Af39/AAAAAAAAAAAAAAAAAAAAAAAAAAAAIQAAABgAAAAUAAAA2BgAABonAAAoMgAAWSkAABAAAAAmAAAACAAAAAAAAAAAAAAAMAAAABQAAAAAAAAAAAD//wAAAQAAAP//AAABAA=="/>
               </a:ext>
             </a:extLst>
           </p:cNvSpPr>
@@ -2493,7 +2493,7 @@
             <a:spLocks noGrp="1" noChangeArrowheads="1"/>
             <a:extLst>
               <a:ext uri="smNativeData">
-                <pr:smNativeData xmlns="smNativeData" xmlns:pr="smNativeData" xmlns:p15="http://schemas.microsoft.com/office/powerpoint/2012/main" xmlns:p14="http://schemas.microsoft.com/office/powerpoint/2010/main" xmlns:mc="http://schemas.openxmlformats.org/markup-compatibility/2006" val="SMDATA_16_xzE7ZxMAAAAlAAAAZAAAAA0AAAAAkAAAAEgAAACQAAAASAAAAAAAAAABAAAAAAAAAAEAAABQAAAAAAAAAAAA4D8AAAAAAADgPwAAAAAAAOA/AAAAAAAA4D8AAAAAAADgPwAAAAAAAOA/AAAAAAAA4D8AAAAAAADgPwAAAAAAAOA/AAAAAAAA4D8CAAAAjAAAAAAAAAAAAAAARHLEDP///wgAAAAAAAAAAAAAAAAAAAAAAAAAAAAAAAAAAAAAZAAAAAEAAABAAAAAAAAAAAAAAAAAAAAAAAAAAAAAAAAAAAAAAAAAAAAAAAAAAAAAAAAAAAAAAAAAAAAAAAAAAAAAAAAAAAAAAAAAAAAAAAAAAAAAAAAAAAAAAAAAAAAAFAAAADwAAAAAAAAAAAAAAAAAAAkUAAAAAQAAABQAAAAUAAAAFAAAAAEAAAAAAAAAZAAAAGQAAAAAAAAAZAAAAGQAAAAVAAAAYAAAAAAAAAAAAAAADwAAACADAAAAAAAAAAAAAAEAAACgMgAAVgcAAKr4//8BAAAAf39/AAEAAABkAAAAAAAAABQAAABAHwAAAAAAACYAAAAAAAAAwOD//wAAAAAmAAAAZAAAABYAAABMAAAAAAAAAAAAAAAEAAAAAAAAAAEAAADn5uYKAAAAACgAAAAoAAAAZAAAAGQAAAAAAAAAzMzMAAAAAABQAAAAUAAAAGQAAABkAAAAAAAAABcAAAAUAAAAAAAAAAAAAAD/fwAA/38AAAAAAAAJAAAABAAAAAUAAAAeAAAAaAAAAAAAAAAAAAAAAAAAAAAAAAAAAAAAECcAABAnAAAAAAAAAAAAAAAAAAAAAAAAAAAAAAAAAAAAAAAAAAAAABQAAAAAAAAAwMD/AAAAAABkAAAAMgAAAAAAAABkAAAAAAAAAH9/fwAKAAAAIgAAABgAAAAAAAAAAAAAAAAAAAAAAAAAAAAAAAAAAAAkAAAAJAAAAAAAAAAHAAAAAAAAAAAAAAAAAAAAAAAAAAAAAAAAAAAAf39/ACUAAABYAAAAAAAAAAAAAAAAAAAAAAAAAAAAAAAAAAAAAAAAAAAAAAAAAAAAAAAAAAAAAAA/AAAAAAAAAKCGAQAAAAAAAAAAAAAAAAAMAAAAAQAAAAAAAAAAAAAAAAAAAB8AAABUAAAAAAAABQAAAAEAAAAAAAAAAAAAAAAAAAAAAAAAAAAAAAAAAAAAAAAAAAAAAAJ/f38AAAAAA8zMzADAwP8Af39/AAAAAAAAAAAAAAAAAAAAAAAAAAAAIQAAABgAAAAUAAAA+DQAABonAADYRQAAWSkAABAAAAAmAAAACAAAAAAAAAAAAAAAMAAAABQAAAAAAAAAAAD//wAAAQAAAP//AAABAA=="/>
+                <pr:smNativeData xmlns:mc="http://schemas.openxmlformats.org/markup-compatibility/2006" xmlns:p14="http://schemas.microsoft.com/office/powerpoint/2010/main" xmlns:p15="http://schemas.microsoft.com/office/powerpoint/2012/main" xmlns:pr="smNativeData" xmlns="smNativeData" val="SMDATA_16_xzE7ZxMAAAAlAAAAZAAAAA0AAAAAkAAAAEgAAACQAAAASAAAAAAAAAABAAAAAAAAAAEAAABQAAAAAAAAAAAA4D8AAAAAAADgPwAAAAAAAOA/AAAAAAAA4D8AAAAAAADgPwAAAAAAAOA/AAAAAAAA4D8AAAAAAADgPwAAAAAAAOA/AAAAAAAA4D8CAAAAjAAAAAAAAAAAAAAARHLEDP///wgAAAAAAAAAAAAAAAAAAAAAAAAAAAAAAAAAAAAAZAAAAAEAAABAAAAAAAAAAAAAAAAAAAAAAAAAAAAAAAAAAAAAAAAAAAAAAAAAAAAAAAAAAAAAAAAAAAAAAAAAAAAAAAAAAAAAAAAAAAAAAAAAAAAAAAAAAAAAAAAAAAAAFAAAADwAAAAAAAAAAAAAAAAAAAkUAAAAAQAAABQAAAAUAAAAFAAAAAEAAAAAAAAAZAAAAGQAAAAAAAAAZAAAAGQAAAAVAAAAYAAAAAAAAAAAAAAADwAAACADAAAAAAAAAAAAAAEAAACgMgAAVgcAAKr4//8BAAAAf39/AAEAAABkAAAAAAAAABQAAABAHwAAAAAAACYAAAAAAAAAwOD//wAAAAAmAAAAZAAAABYAAABMAAAAAAAAAAAAAAAEAAAAAAAAAAEAAADn5uYKAAAAACgAAAAoAAAAZAAAAGQAAAAAAAAAzMzMAAAAAABQAAAAUAAAAGQAAABkAAAAAAAAABcAAAAUAAAAAAAAAAAAAAD/fwAA/38AAAAAAAAJAAAABAAAAAUAAAAeAAAAaAAAAAAAAAAAAAAAAAAAAAAAAAAAAAAAECcAABAnAAAAAAAAAAAAAAAAAAAAAAAAAAAAAAAAAAAAAAAAAAAAABQAAAAAAAAAwMD/AAAAAABkAAAAMgAAAAAAAABkAAAAAAAAAH9/fwAKAAAAIgAAABgAAAAAAAAAAAAAAAAAAAAAAAAAAAAAAAAAAAAkAAAAJAAAAAAAAAAHAAAAAAAAAAAAAAAAAAAAAAAAAAAAAAAAAAAAf39/ACUAAABYAAAAAAAAAAAAAAAAAAAAAAAAAAAAAAAAAAAAAAAAAAAAAAAAAAAAAAAAAAAAAAA/AAAAAAAAAKCGAQAAAAAAAAAAAAAAAAAMAAAAAQAAAAAAAAAAAAAAAAAAAB8AAABUAAAAAAAABQAAAAEAAAAAAAAAAAAAAAAAAAAAAAAAAAAAAAAAAAAAAAAAAAAAAAJ/f38AAAAAA8zMzADAwP8Af39/AAAAAAAAAAAAAAAAAAAAAAAAAAAAIQAAABgAAAAUAAAA+DQAABonAADYRQAAWSkAABAAAAAmAAAACAAAAAAAAAAAAAAAMAAAABQAAAAAAAAAAAD//wAAAQAAAP//AAABAA=="/>
               </a:ext>
             </a:extLst>
           </p:cNvSpPr>
@@ -2549,7 +2549,7 @@
             <a:spLocks noGrp="1" noChangeArrowheads="1"/>
             <a:extLst>
               <a:ext uri="smNativeData">
-                <pr:smNativeData xmlns="smNativeData" xmlns:pr="smNativeData" xmlns:p15="http://schemas.microsoft.com/office/powerpoint/2012/main" xmlns:p14="http://schemas.microsoft.com/office/powerpoint/2010/main" xmlns:mc="http://schemas.openxmlformats.org/markup-compatibility/2006" val="SMDATA_16_xzE7ZxMAAAAlAAAAZAAAAA0AAAAAkAAAAEgAAACQAAAASAAAAAAAAAABAAAAAAAAAAEAAABQAAAAAAAAAAAA4D8AAAAAAADgPwAAAAAAAOA/AAAAAAAA4D8AAAAAAADgPwAAAAAAAOA/AAAAAAAA4D8AAAAAAADgPwAAAAAAAOA/AAAAAAAA4D8CAAAAjAAAAAAAAAAAAAAARHLEDP///wgAAAAAAAAAAAAAAAAAAAAAAAAAAAAAAAAAAAAAZAAAAAEAAABAAAAAAAAAAAAAAAAAAAAAAAAAAAAAAAAAAAAAAAAAAAAAAAAAAAAAAAAAAAAAAAAAAAAAAAAAAAAAAAAAAAAAAAAAAAAAAAAAAAAAAAAAAAAAAAAAAAAAFAAAADwAAAAAAAAAAAAAAAAAAAkUAAAAAQAAABQAAAAUAAAAFAAAAAEAAAAAAAAAZAAAAGQAAAAAAAAAZAAAAGQAAAAVAAAAYAAAAAAAAAAAAAAADwAAACADAAAAAAAAAAAAAAEAAACgMgAAVgcAAKr4//8BAAAAf39/AAEAAABkAAAAAAAAABQAAABAHwAAAAAAACYAAAAAAAAAwOD//wAAAAAmAAAAZAAAABYAAABMAAAAAAAAAAAAAAAEAAAAAAAAAAEAAADn5uYKAAAAACgAAAAoAAAAZAAAAGQAAAAAAAAAzMzMAAAAAABQAAAAUAAAAGQAAABkAAAAAAAAABcAAAAUAAAAAAAAAAAAAAD/fwAA/38AAAAAAAAJAAAABAAAAAFuTT0eAAAAaAAAAAAAAAAAAAAAAAAAAAAAAAAAAAAAECcAABAnAAAAAAAAAAAAAAAAAAAAAAAAAAAAAAAAAAAAAAAAAAAAABQAAAAAAAAAwMD/AAAAAABkAAAAMgAAAAAAAABkAAAAAAAAAH9/fwAKAAAAIgAAABgAAAAAAAAAAAAAAAAAAAAAAAAAAAAAAAAAAAAkAAAAJAAAAAAAAAAHAAAAAAAAAAAAAAAAAAAAAAAAAAAAAAAAAAAAf39/ACUAAABYAAAAAAAAAAAAAAAAAAAAAAAAAAAAAAAAAAAAAAAAAAAAAAAAAAAAAAAAAAAAAAA/AAAAAAAAAKCGAQAAAAAAAAAAAAAAAAAMAAAAAQAAAAAAAAAAAAAAAAAAAB8AAABUAAAAAAAABQAAAAEAAAAAAAAAAAAAAAAAAAAAAAAAAAAAAAAAAAAAAAAAAAAAAAJ/f38AAAAAA8zMzADAwP8Af39/AAAAAAAAAAAAAAAAAAAAAAAAAAAAIQAAABgAAAAUAAAAKAUAAD8CAADYRQAAZwoAABAAAAAmAAAACAAAAAAAAAAAAAAAMAAAABQAAAAAAAAAAAD//wAAAQAAAP//AAABAA=="/>
+                <pr:smNativeData xmlns:mc="http://schemas.openxmlformats.org/markup-compatibility/2006" xmlns:p14="http://schemas.microsoft.com/office/powerpoint/2010/main" xmlns:p15="http://schemas.microsoft.com/office/powerpoint/2012/main" xmlns:pr="smNativeData" xmlns="smNativeData" val="SMDATA_16_xzE7ZxMAAAAlAAAAZAAAAA0AAAAAkAAAAEgAAACQAAAASAAAAAAAAAABAAAAAAAAAAEAAABQAAAAAAAAAAAA4D8AAAAAAADgPwAAAAAAAOA/AAAAAAAA4D8AAAAAAADgPwAAAAAAAOA/AAAAAAAA4D8AAAAAAADgPwAAAAAAAOA/AAAAAAAA4D8CAAAAjAAAAAAAAAAAAAAARHLEDP///wgAAAAAAAAAAAAAAAAAAAAAAAAAAAAAAAAAAAAAZAAAAAEAAABAAAAAAAAAAAAAAAAAAAAAAAAAAAAAAAAAAAAAAAAAAAAAAAAAAAAAAAAAAAAAAAAAAAAAAAAAAAAAAAAAAAAAAAAAAAAAAAAAAAAAAAAAAAAAAAAAAAAAFAAAADwAAAAAAAAAAAAAAAAAAAkUAAAAAQAAABQAAAAUAAAAFAAAAAEAAAAAAAAAZAAAAGQAAAAAAAAAZAAAAGQAAAAVAAAAYAAAAAAAAAAAAAAADwAAACADAAAAAAAAAAAAAAEAAACgMgAAVgcAAKr4//8BAAAAf39/AAEAAABkAAAAAAAAABQAAABAHwAAAAAAACYAAAAAAAAAwOD//wAAAAAmAAAAZAAAABYAAABMAAAAAAAAAAAAAAAEAAAAAAAAAAEAAADn5uYKAAAAACgAAAAoAAAAZAAAAGQAAAAAAAAAzMzMAAAAAABQAAAAUAAAAGQAAABkAAAAAAAAABcAAAAUAAAAAAAAAAAAAAD/fwAA/38AAAAAAAAJAAAABAAAAAFuTT0eAAAAaAAAAAAAAAAAAAAAAAAAAAAAAAAAAAAAECcAABAnAAAAAAAAAAAAAAAAAAAAAAAAAAAAAAAAAAAAAAAAAAAAABQAAAAAAAAAwMD/AAAAAABkAAAAMgAAAAAAAABkAAAAAAAAAH9/fwAKAAAAIgAAABgAAAAAAAAAAAAAAAAAAAAAAAAAAAAAAAAAAAAkAAAAJAAAAAAAAAAHAAAAAAAAAAAAAAAAAAAAAAAAAAAAAAAAAAAAf39/ACUAAABYAAAAAAAAAAAAAAAAAAAAAAAAAAAAAAAAAAAAAAAAAAAAAAAAAAAAAAAAAAAAAAA/AAAAAAAAAKCGAQAAAAAAAAAAAAAAAAAMAAAAAQAAAAAAAAAAAAAAAAAAAB8AAABUAAAAAAAABQAAAAEAAAAAAAAAAAAAAAAAAAAAAAAAAAAAAAAAAAAAAAAAAAAAAAJ/f38AAAAAA8zMzADAwP8Af39/AAAAAAAAAAAAAAAAAAAAAAAAAAAAIQAAABgAAAAUAAAAKAUAAD8CAADYRQAAZwoAABAAAAAmAAAACAAAAAAAAAAAAAAAMAAAABQAAAAAAAAAAAD//wAAAQAAAP//AAABAA=="/>
               </a:ext>
             </a:extLst>
           </p:cNvSpPr>
@@ -2578,7 +2578,7 @@
             <a:spLocks noGrp="1" noChangeArrowheads="1"/>
             <a:extLst>
               <a:ext uri="smNativeData">
-                <pr:smNativeData xmlns="smNativeData" xmlns:pr="smNativeData" xmlns:p15="http://schemas.microsoft.com/office/powerpoint/2012/main" xmlns:p14="http://schemas.microsoft.com/office/powerpoint/2010/main" xmlns:mc="http://schemas.openxmlformats.org/markup-compatibility/2006" val="SMDATA_16_xzE7ZxMAAAAlAAAAZAAAAA0AAAAAkAAAAEgAAACQAAAASAAAAAAAAAAAAAAAAAAAAAEAAABQAAAAAAAAAAAA4D8AAAAAAADgPwAAAAAAAOA/AAAAAAAA4D8AAAAAAADgPwAAAAAAAOA/AAAAAAAA4D8AAAAAAADgPwAAAAAAAOA/AAAAAAAA4D8CAAAAjAAAAAAAAAAAAAAARHLEDP///wgAAAAAAAAAAAAAAAAAAAAAAAAAAAAAAAAAAAAAZAAAAAEAAABAAAAAAAAAAAAAAAAAAAAAAAAAAAAAAAAAAAAAAAAAAAAAAAAAAAAAAAAAAAAAAAAAAAAAAAAAAAAAAAAAAAAAAAAAAAAAAAAAAAAAAAAAAAAAAAAAAAAAFAAAADwAAAAAAAAAAAAAAAAAAAkUAAAAAQAAABQAAAAUAAAAFAAAAAEAAAAAAAAAZAAAAGQAAAAAAAAAZAAAAGQAAAAVAAAAYAAAAAAAAAAAAAAADwAAACADAAAAAAAAAAAAAAEAAACgMgAAVgcAAKr4//8BAAAAf39/AAEAAABkAAAAAAAAABQAAABAHwAAAAAAACYAAAAAAAAAwOD//wAAAAAmAAAAZAAAABYAAABMAAAAAAAAAAAAAAAEAAAAAAAAAAEAAADn5uYKAAAAACgAAAAoAAAAZAAAAGQAAAAAAAAAzMzMAAAAAABQAAAAUAAAAGQAAABkAAAAAAAAABcAAAAUAAAAAAAAAAAAAAD/fwAA/38AAAAAAAAJAAAABAAAAODUY0AeAAAAaAAAAAAAAAAAAAAAAAAAAAAAAAAAAAAAECcAABAnAAAAAAAAAAAAAAAAAAAAAAAAAAAAAAAAAAAAAAAAAAAAABQAAAAAAAAAwMD/AAAAAABkAAAAMgAAAAAAAABkAAAAAAAAAH9/fwAKAAAAIgAAABgAAAAAAAAAAAAAAAAAAAAAAAAAAAAAAAAAAAAkAAAAJAAAAAAAAAAHAAAAAAAAAAAAAAAAAAAAAAAAAAAAAAAAAAAAf39/ACUAAABYAAAAAAAAAAAAAAAAAAAAAAAAAAAAAAAAAAAAAAAAAAAAAAAAAAAAAAAAAAAAAAA/AAAAAAAAAKCGAQAAAAAAAAAAAAAAAAAMAAAAAQAAAAAAAAAAAAAAAAAAAB8AAABUAAAAAAAABQAAAAEAAAAAAAAAAAAAAAAAAAAAAAAAAAAAAAAAAAAAAAAAAAAAAAJ/f38AAAAAA8zMzADAwP8Af39/AAAAAAAAAAAAAAAAAAAAAAAAAAAAIQAAABgAAAAUAAAAKAUAADsLAAAIJQAAACYAABAAAAAmAAAACAAAAAEAAAAAAAAAMAAAABQAAAAAAAAAAAD//wAAAQAAAP//AAABAA=="/>
+                <pr:smNativeData xmlns:mc="http://schemas.openxmlformats.org/markup-compatibility/2006" xmlns:p14="http://schemas.microsoft.com/office/powerpoint/2010/main" xmlns:p15="http://schemas.microsoft.com/office/powerpoint/2012/main" xmlns:pr="smNativeData" xmlns="smNativeData" val="SMDATA_16_xzE7ZxMAAAAlAAAAZAAAAA0AAAAAkAAAAEgAAACQAAAASAAAAAAAAAAAAAAAAAAAAAEAAABQAAAAAAAAAAAA4D8AAAAAAADgPwAAAAAAAOA/AAAAAAAA4D8AAAAAAADgPwAAAAAAAOA/AAAAAAAA4D8AAAAAAADgPwAAAAAAAOA/AAAAAAAA4D8CAAAAjAAAAAAAAAAAAAAARHLEDP///wgAAAAAAAAAAAAAAAAAAAAAAAAAAAAAAAAAAAAAZAAAAAEAAABAAAAAAAAAAAAAAAAAAAAAAAAAAAAAAAAAAAAAAAAAAAAAAAAAAAAAAAAAAAAAAAAAAAAAAAAAAAAAAAAAAAAAAAAAAAAAAAAAAAAAAAAAAAAAAAAAAAAAFAAAADwAAAAAAAAAAAAAAAAAAAkUAAAAAQAAABQAAAAUAAAAFAAAAAEAAAAAAAAAZAAAAGQAAAAAAAAAZAAAAGQAAAAVAAAAYAAAAAAAAAAAAAAADwAAACADAAAAAAAAAAAAAAEAAACgMgAAVgcAAKr4//8BAAAAf39/AAEAAABkAAAAAAAAABQAAABAHwAAAAAAACYAAAAAAAAAwOD//wAAAAAmAAAAZAAAABYAAABMAAAAAAAAAAAAAAAEAAAAAAAAAAEAAADn5uYKAAAAACgAAAAoAAAAZAAAAGQAAAAAAAAAzMzMAAAAAABQAAAAUAAAAGQAAABkAAAAAAAAABcAAAAUAAAAAAAAAAAAAAD/fwAA/38AAAAAAAAJAAAABAAAAODUY0AeAAAAaAAAAAAAAAAAAAAAAAAAAAAAAAAAAAAAECcAABAnAAAAAAAAAAAAAAAAAAAAAAAAAAAAAAAAAAAAAAAAAAAAABQAAAAAAAAAwMD/AAAAAABkAAAAMgAAAAAAAABkAAAAAAAAAH9/fwAKAAAAIgAAABgAAAAAAAAAAAAAAAAAAAAAAAAAAAAAAAAAAAAkAAAAJAAAAAAAAAAHAAAAAAAAAAAAAAAAAAAAAAAAAAAAAAAAAAAAf39/ACUAAABYAAAAAAAAAAAAAAAAAAAAAAAAAAAAAAAAAAAAAAAAAAAAAAAAAAAAAAAAAAAAAAA/AAAAAAAAAKCGAQAAAAAAAAAAAAAAAAAMAAAAAQAAAAAAAAAAAAAAAAAAAB8AAABUAAAAAAAABQAAAAEAAAAAAAAAAAAAAAAAAAAAAAAAAAAAAAAAAAAAAAAAAAAAAAJ/f38AAAAAA8zMzADAwP8Af39/AAAAAAAAAAAAAAAAAAAAAAAAAAAAIQAAABgAAAAUAAAAKAUAADsLAAAIJQAAACYAABAAAAAmAAAACAAAAAEAAAAAAAAAMAAAABQAAAAAAAAAAAD//wAAAQAAAP//AAABAA=="/>
               </a:ext>
             </a:extLst>
           </p:cNvSpPr>
@@ -2644,7 +2644,7 @@
             <a:spLocks noGrp="1" noChangeArrowheads="1"/>
             <a:extLst>
               <a:ext uri="smNativeData">
-                <pr:smNativeData xmlns="smNativeData" xmlns:pr="smNativeData" xmlns:p15="http://schemas.microsoft.com/office/powerpoint/2012/main" xmlns:p14="http://schemas.microsoft.com/office/powerpoint/2010/main" xmlns:mc="http://schemas.openxmlformats.org/markup-compatibility/2006" val="SMDATA_16_xzE7ZxMAAAAlAAAAZAAAAA0AAAAAkAAAAEgAAACQAAAASAAAAAAAAAAAAAAAAAAAAAEAAABQAAAAAAAAAAAA4D8AAAAAAADgPwAAAAAAAOA/AAAAAAAA4D8AAAAAAADgPwAAAAAAAOA/AAAAAAAA4D8AAAAAAADgPwAAAAAAAOA/AAAAAAAA4D8CAAAAjAAAAAAAAAAAAAAARHLEDP///wgAAAAAAAAAAAAAAAAAAAAAAAAAAAAAAAAAAAAAZAAAAAEAAABAAAAAAAAAAAAAAAAAAAAAAAAAAAAAAAAAAAAAAAAAAAAAAAAAAAAAAAAAAAAAAAAAAAAAAAAAAAAAAAAAAAAAAAAAAAAAAAAAAAAAAAAAAAAAAAAAAAAAFAAAADwAAAAAAAAAAAAAAAAAAAkUAAAAAQAAABQAAAAUAAAAFAAAAAEAAAAAAAAAZAAAAGQAAAAAAAAAZAAAAGQAAAAVAAAAYAAAAAAAAAAAAAAADwAAACADAAAAAAAAAAAAAAEAAACgMgAAVgcAAKr4//8BAAAAf39/AAEAAABkAAAAAAAAABQAAABAHwAAAAAAACYAAAAAAAAAwOD//wAAAAAmAAAAZAAAABYAAABMAAAAAAAAAAAAAAAEAAAAAAAAAAEAAADn5uYKAAAAACgAAAAoAAAAZAAAAGQAAAAAAAAAzMzMAAAAAABQAAAAUAAAAGQAAABkAAAAAAAAABcAAAAUAAAAAAAAAAAAAAD/fwAA/38AAAAAAAAJAAAABAAAAAAAAAAeAAAAaAAAAAAAAAAAAAAAAAAAAAAAAAAAAAAAECcAABAnAAAAAAAAAAAAAAAAAAAAAAAAAAAAAAAAAAAAAAAAAAAAABQAAAAAAAAAwMD/AAAAAABkAAAAMgAAAAAAAABkAAAAAAAAAH9/fwAKAAAAIgAAABgAAAAAAAAAAAAAAAAAAAAAAAAAAAAAAAAAAAAkAAAAJAAAAAAAAAAHAAAAAAAAAAAAAAAAAAAAAAAAAAAAAAAAAAAAf39/ACUAAABYAAAAAAAAAAAAAAAAAAAAAAAAAAAAAAAAAAAAAAAAAAAAAAAAAAAAAAAAAAAAAAA/AAAAAAAAAKCGAQAAAAAAAAAAAAAAAAAMAAAAAQAAAAAAAAAAAAAAAAAAAB8AAABUAAAAAAAABQAAAAEAAAAAAAAAAAAAAAAAAAAAAAAAAAAAAAAAAAAAAAAAAAAAAAJ/f38AAAAAA8zMzADAwP8Af39/AAAAAAAAAAAAAAAAAAAAAAAAAAAAIQAAABgAAAAUAAAA+CUAADsLAADYRQAAACYAABAAAAAmAAAACAAAAAEAAAAAAAAAMAAAABQAAAAAAAAAAAD//wAAAQAAAP//AAABAA=="/>
+                <pr:smNativeData xmlns:mc="http://schemas.openxmlformats.org/markup-compatibility/2006" xmlns:p14="http://schemas.microsoft.com/office/powerpoint/2010/main" xmlns:p15="http://schemas.microsoft.com/office/powerpoint/2012/main" xmlns:pr="smNativeData" xmlns="smNativeData" val="SMDATA_16_xzE7ZxMAAAAlAAAAZAAAAA0AAAAAkAAAAEgAAACQAAAASAAAAAAAAAAAAAAAAAAAAAEAAABQAAAAAAAAAAAA4D8AAAAAAADgPwAAAAAAAOA/AAAAAAAA4D8AAAAAAADgPwAAAAAAAOA/AAAAAAAA4D8AAAAAAADgPwAAAAAAAOA/AAAAAAAA4D8CAAAAjAAAAAAAAAAAAAAARHLEDP///wgAAAAAAAAAAAAAAAAAAAAAAAAAAAAAAAAAAAAAZAAAAAEAAABAAAAAAAAAAAAAAAAAAAAAAAAAAAAAAAAAAAAAAAAAAAAAAAAAAAAAAAAAAAAAAAAAAAAAAAAAAAAAAAAAAAAAAAAAAAAAAAAAAAAAAAAAAAAAAAAAAAAAFAAAADwAAAAAAAAAAAAAAAAAAAkUAAAAAQAAABQAAAAUAAAAFAAAAAEAAAAAAAAAZAAAAGQAAAAAAAAAZAAAAGQAAAAVAAAAYAAAAAAAAAAAAAAADwAAACADAAAAAAAAAAAAAAEAAACgMgAAVgcAAKr4//8BAAAAf39/AAEAAABkAAAAAAAAABQAAABAHwAAAAAAACYAAAAAAAAAwOD//wAAAAAmAAAAZAAAABYAAABMAAAAAAAAAAAAAAAEAAAAAAAAAAEAAADn5uYKAAAAACgAAAAoAAAAZAAAAGQAAAAAAAAAzMzMAAAAAABQAAAAUAAAAGQAAABkAAAAAAAAABcAAAAUAAAAAAAAAAAAAAD/fwAA/38AAAAAAAAJAAAABAAAAAAAAAAeAAAAaAAAAAAAAAAAAAAAAAAAAAAAAAAAAAAAECcAABAnAAAAAAAAAAAAAAAAAAAAAAAAAAAAAAAAAAAAAAAAAAAAABQAAAAAAAAAwMD/AAAAAABkAAAAMgAAAAAAAABkAAAAAAAAAH9/fwAKAAAAIgAAABgAAAAAAAAAAAAAAAAAAAAAAAAAAAAAAAAAAAAkAAAAJAAAAAAAAAAHAAAAAAAAAAAAAAAAAAAAAAAAAAAAAAAAAAAAf39/ACUAAABYAAAAAAAAAAAAAAAAAAAAAAAAAAAAAAAAAAAAAAAAAAAAAAAAAAAAAAAAAAAAAAA/AAAAAAAAAKCGAQAAAAAAAAAAAAAAAAAMAAAAAQAAAAAAAAAAAAAAAAAAAB8AAABUAAAAAAAABQAAAAEAAAAAAAAAAAAAAAAAAAAAAAAAAAAAAAAAAAAAAAAAAAAAAAJ/f38AAAAAA8zMzADAwP8Af39/AAAAAAAAAAAAAAAAAAAAAAAAAAAAIQAAABgAAAAUAAAA+CUAADsLAADYRQAAACYAABAAAAAmAAAACAAAAAEAAAAAAAAAMAAAABQAAAAAAAAAAAD//wAAAQAAAP//AAABAA=="/>
               </a:ext>
             </a:extLst>
           </p:cNvSpPr>
@@ -2710,7 +2710,7 @@
             <a:spLocks noGrp="1" noChangeArrowheads="1"/>
             <a:extLst>
               <a:ext uri="smNativeData">
-                <pr:smNativeData xmlns="smNativeData" xmlns:pr="smNativeData" xmlns:p15="http://schemas.microsoft.com/office/powerpoint/2012/main" xmlns:p14="http://schemas.microsoft.com/office/powerpoint/2010/main" xmlns:mc="http://schemas.openxmlformats.org/markup-compatibility/2006" val="SMDATA_16_xzE7ZxMAAAAlAAAAZAAAAA0AAAAAkAAAAEgAAACQAAAASAAAAAAAAAABAAAAAAAAAAEAAABQAAAAAAAAAAAA4D8AAAAAAADgPwAAAAAAAOA/AAAAAAAA4D8AAAAAAADgPwAAAAAAAOA/AAAAAAAA4D8AAAAAAADgPwAAAAAAAOA/AAAAAAAA4D8CAAAAjAAAAAAAAAAAAAAARHLEDP///wgAAAAAAAAAAAAAAAAAAAAAAAAAAAAAAAAAAAAAZAAAAAEAAABAAAAAAAAAAAAAAAAAAAAAAAAAAAAAAAAAAAAAAAAAAAAAAAAAAAAAAAAAAAAAAAAAAAAAAAAAAAAAAAAAAAAAAAAAAAAAAAAAAAAAAAAAAAAAAAAAAAAAFAAAADwAAAAAAAAAAAAAAAAAAAkUAAAAAQAAABQAAAAUAAAAFAAAAAEAAAAAAAAAZAAAAGQAAAAAAAAAZAAAAGQAAAAVAAAAYAAAAAAAAAAAAAAADwAAACADAAAAAAAAAAAAAAEAAACgMgAAVgcAAKr4//8BAAAAf39/AAEAAABkAAAAAAAAABQAAABAHwAAAAAAACYAAAAAAAAAwOD//wAAAAAmAAAAZAAAABYAAABMAAAAAAAAAAAAAAAEAAAAAAAAAAEAAADn5uYKAAAAACgAAAAoAAAAZAAAAGQAAAAAAAAAzMzMAAAAAABQAAAAUAAAAGQAAABkAAAAAAAAABcAAAAUAAAAAAAAAAAAAAD/fwAA/38AAAAAAAAJAAAABAAAAGYo8TweAAAAaAAAAAAAAAAAAAAAAAAAAAAAAAAAAAAAECcAABAnAAAAAAAAAAAAAAAAAAAAAAAAAAAAAAAAAAAAAAAAAAAAABQAAAAAAAAAwMD/AAAAAABkAAAAMgAAAAAAAABkAAAAAAAAAH9/fwAKAAAAIgAAABgAAAAAAAAAAAAAAAAAAAAAAAAAAAAAAAAAAAAkAAAAJAAAAAAAAAAHAAAAAAAAAAAAAAAAAAAAAAAAAAAAAAAAAAAAf39/ACUAAABYAAAAAAAAAAAAAAAAAAAAAAAAAAAAAAAAAAAAAAAAAAAAAAAAAAAAAAAAAAAAAAA/AAAAAAAAAKCGAQAAAAAAAAAAAAAAAAAMAAAAAQAAAAAAAAAAAAAAAAAAAB8AAABUAAAAAAAABQAAAAEAAAAAAAAAAAAAAAAAAAAAAAAAAAAAAAAAAAAAAAAAAAAAAAJ/f38AAAAAA8zMzADAwP8Af39/AAAAAAAAAAAAAAAAAAAAAAAAAAAAIQAAABgAAAAUAAAAKAUAABonAAAIFgAAWSkAABAAAAAmAAAACAAAAAAAAAAAAAAAMAAAABQAAAAAAAAAAAD//wAAAQAAAP//AAABAA=="/>
+                <pr:smNativeData xmlns:mc="http://schemas.openxmlformats.org/markup-compatibility/2006" xmlns:p14="http://schemas.microsoft.com/office/powerpoint/2010/main" xmlns:p15="http://schemas.microsoft.com/office/powerpoint/2012/main" xmlns:pr="smNativeData" xmlns="smNativeData" val="SMDATA_16_xzE7ZxMAAAAlAAAAZAAAAA0AAAAAkAAAAEgAAACQAAAASAAAAAAAAAABAAAAAAAAAAEAAABQAAAAAAAAAAAA4D8AAAAAAADgPwAAAAAAAOA/AAAAAAAA4D8AAAAAAADgPwAAAAAAAOA/AAAAAAAA4D8AAAAAAADgPwAAAAAAAOA/AAAAAAAA4D8CAAAAjAAAAAAAAAAAAAAARHLEDP///wgAAAAAAAAAAAAAAAAAAAAAAAAAAAAAAAAAAAAAZAAAAAEAAABAAAAAAAAAAAAAAAAAAAAAAAAAAAAAAAAAAAAAAAAAAAAAAAAAAAAAAAAAAAAAAAAAAAAAAAAAAAAAAAAAAAAAAAAAAAAAAAAAAAAAAAAAAAAAAAAAAAAAFAAAADwAAAAAAAAAAAAAAAAAAAkUAAAAAQAAABQAAAAUAAAAFAAAAAEAAAAAAAAAZAAAAGQAAAAAAAAAZAAAAGQAAAAVAAAAYAAAAAAAAAAAAAAADwAAACADAAAAAAAAAAAAAAEAAACgMgAAVgcAAKr4//8BAAAAf39/AAEAAABkAAAAAAAAABQAAABAHwAAAAAAACYAAAAAAAAAwOD//wAAAAAmAAAAZAAAABYAAABMAAAAAAAAAAAAAAAEAAAAAAAAAAEAAADn5uYKAAAAACgAAAAoAAAAZAAAAGQAAAAAAAAAzMzMAAAAAABQAAAAUAAAAGQAAABkAAAAAAAAABcAAAAUAAAAAAAAAAAAAAD/fwAA/38AAAAAAAAJAAAABAAAAGYo8TweAAAAaAAAAAAAAAAAAAAAAAAAAAAAAAAAAAAAECcAABAnAAAAAAAAAAAAAAAAAAAAAAAAAAAAAAAAAAAAAAAAAAAAABQAAAAAAAAAwMD/AAAAAABkAAAAMgAAAAAAAABkAAAAAAAAAH9/fwAKAAAAIgAAABgAAAAAAAAAAAAAAAAAAAAAAAAAAAAAAAAAAAAkAAAAJAAAAAAAAAAHAAAAAAAAAAAAAAAAAAAAAAAAAAAAAAAAAAAAf39/ACUAAABYAAAAAAAAAAAAAAAAAAAAAAAAAAAAAAAAAAAAAAAAAAAAAAAAAAAAAAAAAAAAAAA/AAAAAAAAAKCGAQAAAAAAAAAAAAAAAAAMAAAAAQAAAAAAAAAAAAAAAAAAAB8AAABUAAAAAAAABQAAAAEAAAAAAAAAAAAAAAAAAAAAAAAAAAAAAAAAAAAAAAAAAAAAAAJ/f38AAAAAA8zMzADAwP8Af39/AAAAAAAAAAAAAAAAAAAAAAAAAAAAIQAAABgAAAAUAAAAKAUAABonAAAIFgAAWSkAABAAAAAmAAAACAAAAAAAAAAAAAAAMAAAABQAAAAAAAAAAAD//wAAAQAAAP//AAABAA=="/>
               </a:ext>
             </a:extLst>
           </p:cNvSpPr>
@@ -2740,7 +2740,7 @@
             <a:spLocks noGrp="1" noChangeArrowheads="1"/>
             <a:extLst>
               <a:ext uri="smNativeData">
-                <pr:smNativeData xmlns="smNativeData" xmlns:pr="smNativeData" xmlns:p15="http://schemas.microsoft.com/office/powerpoint/2012/main" xmlns:p14="http://schemas.microsoft.com/office/powerpoint/2010/main" xmlns:mc="http://schemas.openxmlformats.org/markup-compatibility/2006" val="SMDATA_16_xzE7ZxMAAAAlAAAAZAAAAA0AAAAAkAAAAEgAAACQAAAASAAAAAAAAAABAAAAAAAAAAEAAABQAAAAAAAAAAAA4D8AAAAAAADgPwAAAAAAAOA/AAAAAAAA4D8AAAAAAADgPwAAAAAAAOA/AAAAAAAA4D8AAAAAAADgPwAAAAAAAOA/AAAAAAAA4D8CAAAAjAAAAAAAAAAAAAAARHLEDP///wgAAAAAAAAAAAAAAAAAAAAAAAAAAAAAAAAAAAAAZAAAAAEAAABAAAAAAAAAAAAAAAAAAAAAAAAAAAAAAAAAAAAAAAAAAAAAAAAAAAAAAAAAAAAAAAAAAAAAAAAAAAAAAAAAAAAAAAAAAAAAAAAAAAAAAAAAAAAAAAAAAAAAFAAAADwAAAAAAAAAAAAAAAAAAAkUAAAAAQAAABQAAAAUAAAAFAAAAAEAAAAAAAAAZAAAAGQAAAAAAAAAZAAAAGQAAAAVAAAAYAAAAAAAAAAAAAAADwAAACADAAAAAAAAAAAAAAEAAACgMgAAVgcAAKr4//8BAAAAf39/AAEAAABkAAAAAAAAABQAAABAHwAAAAAAACYAAAAAAAAAwOD//wAAAAAmAAAAZAAAABYAAABMAAAAAAAAAAAAAAAEAAAAAAAAAAEAAADn5uYKAAAAACgAAAAoAAAAZAAAAGQAAAAAAAAAzMzMAAAAAABQAAAAUAAAAGQAAABkAAAAAAAAABcAAAAUAAAAAAAAAAAAAAD/fwAA/38AAAAAAAAJAAAABAAAAAAAAAAeAAAAaAAAAAAAAAAAAAAAAAAAAAAAAAAAAAAAECcAABAnAAAAAAAAAAAAAAAAAAAAAAAAAAAAAAAAAAAAAAAAAAAAABQAAAAAAAAAwMD/AAAAAABkAAAAMgAAAAAAAABkAAAAAAAAAH9/fwAKAAAAIgAAABgAAAAAAAAAAAAAAAAAAAAAAAAAAAAAAAAAAAAkAAAAJAAAAAAAAAAHAAAAAAAAAAAAAAAAAAAAAAAAAAAAAAAAAAAAf39/ACUAAABYAAAAAAAAAAAAAAAAAAAAAAAAAAAAAAAAAAAAAAAAAAAAAAAAAAAAAAAAAAAAAAA/AAAAAAAAAKCGAQAAAAAAAAAAAAAAAAAMAAAAAQAAAAAAAAAAAAAAAAAAAB8AAABUAAAAAAAABQAAAAEAAAAAAAAAAAAAAAAAAAAAAAAAAAAAAAAAAAAAAAAAAAAAAAJ/f38AAAAAA8zMzADAwP8Af39/AAAAAAAAAAAAAAAAAAAAAAAAAAAAIQAAABgAAAAUAAAA2BgAABonAAAoMgAAWSkAABAAAAAmAAAACAAAAAAAAAAAAAAAMAAAABQAAAAAAAAAAAD//wAAAQAAAP//AAABAA=="/>
+                <pr:smNativeData xmlns:mc="http://schemas.openxmlformats.org/markup-compatibility/2006" xmlns:p14="http://schemas.microsoft.com/office/powerpoint/2010/main" xmlns:p15="http://schemas.microsoft.com/office/powerpoint/2012/main" xmlns:pr="smNativeData" xmlns="smNativeData" val="SMDATA_16_xzE7ZxMAAAAlAAAAZAAAAA0AAAAAkAAAAEgAAACQAAAASAAAAAAAAAABAAAAAAAAAAEAAABQAAAAAAAAAAAA4D8AAAAAAADgPwAAAAAAAOA/AAAAAAAA4D8AAAAAAADgPwAAAAAAAOA/AAAAAAAA4D8AAAAAAADgPwAAAAAAAOA/AAAAAAAA4D8CAAAAjAAAAAAAAAAAAAAARHLEDP///wgAAAAAAAAAAAAAAAAAAAAAAAAAAAAAAAAAAAAAZAAAAAEAAABAAAAAAAAAAAAAAAAAAAAAAAAAAAAAAAAAAAAAAAAAAAAAAAAAAAAAAAAAAAAAAAAAAAAAAAAAAAAAAAAAAAAAAAAAAAAAAAAAAAAAAAAAAAAAAAAAAAAAFAAAADwAAAAAAAAAAAAAAAAAAAkUAAAAAQAAABQAAAAUAAAAFAAAAAEAAAAAAAAAZAAAAGQAAAAAAAAAZAAAAGQAAAAVAAAAYAAAAAAAAAAAAAAADwAAACADAAAAAAAAAAAAAAEAAACgMgAAVgcAAKr4//8BAAAAf39/AAEAAABkAAAAAAAAABQAAABAHwAAAAAAACYAAAAAAAAAwOD//wAAAAAmAAAAZAAAABYAAABMAAAAAAAAAAAAAAAEAAAAAAAAAAEAAADn5uYKAAAAACgAAAAoAAAAZAAAAGQAAAAAAAAAzMzMAAAAAABQAAAAUAAAAGQAAABkAAAAAAAAABcAAAAUAAAAAAAAAAAAAAD/fwAA/38AAAAAAAAJAAAABAAAAAAAAAAeAAAAaAAAAAAAAAAAAAAAAAAAAAAAAAAAAAAAECcAABAnAAAAAAAAAAAAAAAAAAAAAAAAAAAAAAAAAAAAAAAAAAAAABQAAAAAAAAAwMD/AAAAAABkAAAAMgAAAAAAAABkAAAAAAAAAH9/fwAKAAAAIgAAABgAAAAAAAAAAAAAAAAAAAAAAAAAAAAAAAAAAAAkAAAAJAAAAAAAAAAHAAAAAAAAAAAAAAAAAAAAAAAAAAAAAAAAAAAAf39/ACUAAABYAAAAAAAAAAAAAAAAAAAAAAAAAAAAAAAAAAAAAAAAAAAAAAAAAAAAAAAAAAAAAAA/AAAAAAAAAKCGAQAAAAAAAAAAAAAAAAAMAAAAAQAAAAAAAAAAAAAAAAAAAB8AAABUAAAAAAAABQAAAAEAAAAAAAAAAAAAAAAAAAAAAAAAAAAAAAAAAAAAAAAAAAAAAAJ/f38AAAAAA8zMzADAwP8Af39/AAAAAAAAAAAAAAAAAAAAAAAAAAAAIQAAABgAAAAUAAAA2BgAABonAAAoMgAAWSkAABAAAAAmAAAACAAAAAAAAAAAAAAAMAAAABQAAAAAAAAAAAD//wAAAQAAAP//AAABAA=="/>
               </a:ext>
             </a:extLst>
           </p:cNvSpPr>
@@ -2767,7 +2767,7 @@
             <a:spLocks noGrp="1" noChangeArrowheads="1"/>
             <a:extLst>
               <a:ext uri="smNativeData">
-                <pr:smNativeData xmlns="smNativeData" xmlns:pr="smNativeData" xmlns:p15="http://schemas.microsoft.com/office/powerpoint/2012/main" xmlns:p14="http://schemas.microsoft.com/office/powerpoint/2010/main" xmlns:mc="http://schemas.openxmlformats.org/markup-compatibility/2006" val="SMDATA_16_xzE7ZxMAAAAlAAAAZAAAAA0AAAAAkAAAAEgAAACQAAAASAAAAAAAAAABAAAAAAAAAAEAAABQAAAAAAAAAAAA4D8AAAAAAADgPwAAAAAAAOA/AAAAAAAA4D8AAAAAAADgPwAAAAAAAOA/AAAAAAAA4D8AAAAAAADgPwAAAAAAAOA/AAAAAAAA4D8CAAAAjAAAAAAAAAAAAAAARHLEDP///wgAAAAAAAAAAAAAAAAAAAAAAAAAAAAAAAAAAAAAZAAAAAEAAABAAAAAAAAAAAAAAAAAAAAAAAAAAAAAAAAAAAAAAAAAAAAAAAAAAAAAAAAAAAAAAAAAAAAAAAAAAAAAAAAAAAAAAAAAAAAAAAAAAAAAAAAAAAAAAAAAAAAAFAAAADwAAAAAAAAAAAAAAAAAAAkUAAAAAQAAABQAAAAUAAAAFAAAAAEAAAAAAAAAZAAAAGQAAAAAAAAAZAAAAGQAAAAVAAAAYAAAAAAAAAAAAAAADwAAACADAAAAAAAAAAAAAAEAAACgMgAAVgcAAKr4//8BAAAAf39/AAEAAABkAAAAAAAAABQAAABAHwAAAAAAACYAAAAAAAAAwOD//wAAAAAmAAAAZAAAABYAAABMAAAAAAAAAAAAAAAEAAAAAAAAAAEAAADn5uYKAAAAACgAAAAoAAAAZAAAAGQAAAAAAAAAzMzMAAAAAABQAAAAUAAAAGQAAABkAAAAAAAAABcAAAAUAAAAAAAAAAAAAAD/fwAA/38AAAAAAAAJAAAABAAAAAAAAAAeAAAAaAAAAAAAAAAAAAAAAAAAAAAAAAAAAAAAECcAABAnAAAAAAAAAAAAAAAAAAAAAAAAAAAAAAAAAAAAAAAAAAAAABQAAAAAAAAAwMD/AAAAAABkAAAAMgAAAAAAAABkAAAAAAAAAH9/fwAKAAAAIgAAABgAAAAAAAAAAAAAAAAAAAAAAAAAAAAAAAAAAAAkAAAAJAAAAAAAAAAHAAAAAAAAAAAAAAAAAAAAAAAAAAAAAAAAAAAAf39/ACUAAABYAAAAAAAAAAAAAAAAAAAAAAAAAAAAAAAAAAAAAAAAAAAAAAAAAAAAAAAAAAAAAAA/AAAAAAAAAKCGAQAAAAAAAAAAAAAAAAAMAAAAAQAAAAAAAAAAAAAAAAAAAB8AAABUAAAAAAAABQAAAAEAAAAAAAAAAAAAAAAAAAAAAAAAAAAAAAAAAAAAAAAAAAAAAAJ/f38AAAAAA8zMzADAwP8Af39/AAAAAAAAAAAAAAAAAAAAAAAAAAAAIQAAABgAAAAUAAAA+DQAABonAADYRQAAWSkAABAAAAAmAAAACAAAAAAAAAAAAAAAMAAAABQAAAAAAAAAAAD//wAAAQAAAP//AAABAA=="/>
+                <pr:smNativeData xmlns:mc="http://schemas.openxmlformats.org/markup-compatibility/2006" xmlns:p14="http://schemas.microsoft.com/office/powerpoint/2010/main" xmlns:p15="http://schemas.microsoft.com/office/powerpoint/2012/main" xmlns:pr="smNativeData" xmlns="smNativeData" val="SMDATA_16_xzE7ZxMAAAAlAAAAZAAAAA0AAAAAkAAAAEgAAACQAAAASAAAAAAAAAABAAAAAAAAAAEAAABQAAAAAAAAAAAA4D8AAAAAAADgPwAAAAAAAOA/AAAAAAAA4D8AAAAAAADgPwAAAAAAAOA/AAAAAAAA4D8AAAAAAADgPwAAAAAAAOA/AAAAAAAA4D8CAAAAjAAAAAAAAAAAAAAARHLEDP///wgAAAAAAAAAAAAAAAAAAAAAAAAAAAAAAAAAAAAAZAAAAAEAAABAAAAAAAAAAAAAAAAAAAAAAAAAAAAAAAAAAAAAAAAAAAAAAAAAAAAAAAAAAAAAAAAAAAAAAAAAAAAAAAAAAAAAAAAAAAAAAAAAAAAAAAAAAAAAAAAAAAAAFAAAADwAAAAAAAAAAAAAAAAAAAkUAAAAAQAAABQAAAAUAAAAFAAAAAEAAAAAAAAAZAAAAGQAAAAAAAAAZAAAAGQAAAAVAAAAYAAAAAAAAAAAAAAADwAAACADAAAAAAAAAAAAAAEAAACgMgAAVgcAAKr4//8BAAAAf39/AAEAAABkAAAAAAAAABQAAABAHwAAAAAAACYAAAAAAAAAwOD//wAAAAAmAAAAZAAAABYAAABMAAAAAAAAAAAAAAAEAAAAAAAAAAEAAADn5uYKAAAAACgAAAAoAAAAZAAAAGQAAAAAAAAAzMzMAAAAAABQAAAAUAAAAGQAAABkAAAAAAAAABcAAAAUAAAAAAAAAAAAAAD/fwAA/38AAAAAAAAJAAAABAAAAAAAAAAeAAAAaAAAAAAAAAAAAAAAAAAAAAAAAAAAAAAAECcAABAnAAAAAAAAAAAAAAAAAAAAAAAAAAAAAAAAAAAAAAAAAAAAABQAAAAAAAAAwMD/AAAAAABkAAAAMgAAAAAAAABkAAAAAAAAAH9/fwAKAAAAIgAAABgAAAAAAAAAAAAAAAAAAAAAAAAAAAAAAAAAAAAkAAAAJAAAAAAAAAAHAAAAAAAAAAAAAAAAAAAAAAAAAAAAAAAAAAAAf39/ACUAAABYAAAAAAAAAAAAAAAAAAAAAAAAAAAAAAAAAAAAAAAAAAAAAAAAAAAAAAAAAAAAAAA/AAAAAAAAAKCGAQAAAAAAAAAAAAAAAAAMAAAAAQAAAAAAAAAAAAAAAAAAAB8AAABUAAAAAAAABQAAAAEAAAAAAAAAAAAAAAAAAAAAAAAAAAAAAAAAAAAAAAAAAAAAAAJ/f38AAAAAA8zMzADAwP8Af39/AAAAAAAAAAAAAAAAAAAAAAAAAAAAIQAAABgAAAAUAAAA+DQAABonAADYRQAAWSkAABAAAAAmAAAACAAAAAAAAAAAAAAAMAAAABQAAAAAAAAAAAD//wAAAQAAAP//AAABAA=="/>
               </a:ext>
             </a:extLst>
           </p:cNvSpPr>
@@ -2823,7 +2823,7 @@
             <a:spLocks noGrp="1" noChangeArrowheads="1"/>
             <a:extLst>
               <a:ext uri="smNativeData">
-                <pr:smNativeData xmlns="smNativeData" xmlns:pr="smNativeData" xmlns:p15="http://schemas.microsoft.com/office/powerpoint/2012/main" xmlns:p14="http://schemas.microsoft.com/office/powerpoint/2010/main" xmlns:mc="http://schemas.openxmlformats.org/markup-compatibility/2006" val="SMDATA_16_xzE7ZxMAAAAlAAAAZAAAAA0AAAAAkAAAAEgAAACQAAAASAAAAAAAAAABAAAAAAAAAAEAAABQAAAAAAAAAAAA4D8AAAAAAADgPwAAAAAAAOA/AAAAAAAA4D8AAAAAAADgPwAAAAAAAOA/AAAAAAAA4D8AAAAAAADgPwAAAAAAAOA/AAAAAAAA4D8CAAAAjAAAAAAAAAAAAAAARHLEDP///wgAAAAAAAAAAAAAAAAAAAAAAAAAAAAAAAAAAAAAZAAAAAEAAABAAAAAAAAAAAAAAAAAAAAAAAAAAAAAAAAAAAAAAAAAAAAAAAAAAAAAAAAAAAAAAAAAAAAAAAAAAAAAAAAAAAAAAAAAAAAAAAAAAAAAAAAAAAAAAAAAAAAAFAAAADwAAAAAAAAAAAAAAAAAAAkUAAAAAQAAABQAAAAUAAAAFAAAAAEAAAAAAAAAZAAAAGQAAAAAAAAAZAAAAGQAAAAVAAAAYAAAAAAAAAAAAAAADwAAACADAAAAAAAAAAAAAAEAAACgMgAAVgcAAKr4//8BAAAAf39/AAEAAABkAAAAAAAAABQAAABAHwAAAAAAACYAAAAAAAAAwOD//wAAAAAmAAAAZAAAABYAAABMAAAAAAAAAAAAAAAEAAAAAAAAAAEAAADn5uYKAAAAACgAAAAoAAAAZAAAAGQAAAAAAAAAzMzMAAAAAABQAAAAUAAAAGQAAABkAAAAAAAAABcAAAAUAAAAAAAAAAAAAAD/fwAA/38AAAAAAAAJAAAABAAAAAAAAAAeAAAAaAAAAAAAAAAAAAAAAAAAAAAAAAAAAAAAECcAABAnAAAAAAAAAAAAAAAAAAAAAAAAAAAAAAAAAAAAAAAAAAAAABQAAAAAAAAAwMD/AAAAAABkAAAAMgAAAAAAAABkAAAAAAAAAH9/fwAKAAAAIgAAABgAAAAAAAAAAAAAAAAAAAAAAAAAAAAAAAAAAAAkAAAAJAAAAAAAAAAHAAAAAAAAAAAAAAAAAAAAAAAAAAAAAAAAAAAAf39/ACUAAABYAAAAAAAAAAAAAAAAAAAAAAAAAAAAAAAAAAAAAAAAAAAAAAAAAAAAAAAAAAAAAAA/AAAAAAAAAKCGAQAAAAAAAAAAAAAAAAAMAAAAAQAAAAAAAAAAAAAAAAAAAB8AAABUAAAAAAAABQAAAAEAAAAAAAAAAAAAAAAAAAAAAAAAAAAAAAAAAAAAAAAAAAAAAAJ/f38AAAAAA8zMzADAwP8Af39/AAAAAAAAAAAAAAAAAAAAAAAAAAAAIQAAABgAAAAUAAAAKwUAAD8CAADbRQAAZwoAABAAAAAmAAAACAAAAAEAAAAAAAAAMAAAABQAAAAAAAAAAAD//wAAAQAAAP//AAABAA=="/>
+                <pr:smNativeData xmlns:mc="http://schemas.openxmlformats.org/markup-compatibility/2006" xmlns:p14="http://schemas.microsoft.com/office/powerpoint/2010/main" xmlns:p15="http://schemas.microsoft.com/office/powerpoint/2012/main" xmlns:pr="smNativeData" xmlns="smNativeData" val="SMDATA_16_xzE7ZxMAAAAlAAAAZAAAAA0AAAAAkAAAAEgAAACQAAAASAAAAAAAAAABAAAAAAAAAAEAAABQAAAAAAAAAAAA4D8AAAAAAADgPwAAAAAAAOA/AAAAAAAA4D8AAAAAAADgPwAAAAAAAOA/AAAAAAAA4D8AAAAAAADgPwAAAAAAAOA/AAAAAAAA4D8CAAAAjAAAAAAAAAAAAAAARHLEDP///wgAAAAAAAAAAAAAAAAAAAAAAAAAAAAAAAAAAAAAZAAAAAEAAABAAAAAAAAAAAAAAAAAAAAAAAAAAAAAAAAAAAAAAAAAAAAAAAAAAAAAAAAAAAAAAAAAAAAAAAAAAAAAAAAAAAAAAAAAAAAAAAAAAAAAAAAAAAAAAAAAAAAAFAAAADwAAAAAAAAAAAAAAAAAAAkUAAAAAQAAABQAAAAUAAAAFAAAAAEAAAAAAAAAZAAAAGQAAAAAAAAAZAAAAGQAAAAVAAAAYAAAAAAAAAAAAAAADwAAACADAAAAAAAAAAAAAAEAAACgMgAAVgcAAKr4//8BAAAAf39/AAEAAABkAAAAAAAAABQAAABAHwAAAAAAACYAAAAAAAAAwOD//wAAAAAmAAAAZAAAABYAAABMAAAAAAAAAAAAAAAEAAAAAAAAAAEAAADn5uYKAAAAACgAAAAoAAAAZAAAAGQAAAAAAAAAzMzMAAAAAABQAAAAUAAAAGQAAABkAAAAAAAAABcAAAAUAAAAAAAAAAAAAAD/fwAA/38AAAAAAAAJAAAABAAAAAAAAAAeAAAAaAAAAAAAAAAAAAAAAAAAAAAAAAAAAAAAECcAABAnAAAAAAAAAAAAAAAAAAAAAAAAAAAAAAAAAAAAAAAAAAAAABQAAAAAAAAAwMD/AAAAAABkAAAAMgAAAAAAAABkAAAAAAAAAH9/fwAKAAAAIgAAABgAAAAAAAAAAAAAAAAAAAAAAAAAAAAAAAAAAAAkAAAAJAAAAAAAAAAHAAAAAAAAAAAAAAAAAAAAAAAAAAAAAAAAAAAAf39/ACUAAABYAAAAAAAAAAAAAAAAAAAAAAAAAAAAAAAAAAAAAAAAAAAAAAAAAAAAAAAAAAAAAAA/AAAAAAAAAKCGAQAAAAAAAAAAAAAAAAAMAAAAAQAAAAAAAAAAAAAAAAAAAB8AAABUAAAAAAAABQAAAAEAAAAAAAAAAAAAAAAAAAAAAAAAAAAAAAAAAAAAAAAAAAAAAAJ/f38AAAAAA8zMzADAwP8Af39/AAAAAAAAAAAAAAAAAAAAAAAAAAAAIQAAABgAAAAUAAAAKwUAAD8CAADbRQAAZwoAABAAAAAmAAAACAAAAAEAAAAAAAAAMAAAABQAAAAAAAAAAAD//wAAAQAAAP//AAABAA=="/>
               </a:ext>
             </a:extLst>
           </p:cNvSpPr>
@@ -2857,7 +2857,7 @@
             <a:spLocks noGrp="1" noChangeArrowheads="1"/>
             <a:extLst>
               <a:ext uri="smNativeData">
-                <pr:smNativeData xmlns="smNativeData" xmlns:pr="smNativeData" xmlns:p15="http://schemas.microsoft.com/office/powerpoint/2012/main" xmlns:p14="http://schemas.microsoft.com/office/powerpoint/2010/main" xmlns:mc="http://schemas.openxmlformats.org/markup-compatibility/2006" val="SMDATA_16_xzE7ZxMAAAAlAAAAZAAAAA0AAAAAkAAAAEgAAACQAAAASAAAAAAAAAACAAAAAAAAAAEAAABQAAAAAAAAAAAA4D8AAAAAAADgPwAAAAAAAOA/AAAAAAAA4D8AAAAAAADgPwAAAAAAAOA/AAAAAAAA4D8AAAAAAADgPwAAAAAAAOA/AAAAAAAA4D8CAAAAjAAAAAAAAAAAAAAARHLEDP///wgAAAAAAAAAAAAAAAAAAAAAAAAAAAAAAAAAAAAAZAAAAAEAAABAAAAAAAAAAAAAAAAAAAAAAAAAAAAAAAAAAAAAAAAAAAAAAAAAAAAAAAAAAAAAAAAAAAAAAAAAAAAAAAAAAAAAAAAAAAAAAAAAAAAAAAAAAAAAAAAAAAAAFAAAADwAAAAAAAAAAAAAAAAAAAkUAAAAAQAAABQAAAAUAAAAFAAAAAEAAAAAAAAAZAAAAGQAAAAAAAAAZAAAAGQAAAAVAAAAYAAAAAAAAAAAAAAADwAAACADAAAAAAAAAAAAAAEAAACgMgAAVgcAAKr4//8BAAAAf39/AAEAAABkAAAAAAAAABQAAABAHwAAAAAAACYAAAAAAAAAwOD//wAAAAAmAAAAZAAAABYAAABMAAAAAAAAAAAAAAAEAAAAAAAAAAEAAADn5uYKAAAAACgAAAAoAAAAZAAAAGQAAAAAAAAAzMzMAAAAAABQAAAAUAAAAGQAAABkAAAAAAAAABcAAAAUAAAAAAAAAAAAAAD/fwAA/38AAAAAAAAJAAAABAAAAAAAAAAeAAAAaAAAAAAAAAAAAAAAAAAAAAAAAAAAAAAAECcAABAnAAAAAAAAAAAAAAAAAAAAAAAAAAAAAAAAAAAAAAAAAAAAABQAAAAAAAAAwMD/AAAAAABkAAAAMgAAAAAAAABkAAAAAAAAAH9/fwAKAAAAIgAAABgAAAAAAAAAAAAAAAAAAAAAAAAAAAAAAAAAAAAkAAAAJAAAAAAAAAAHAAAAAAAAAAAAAAAAAAAAAAAAAAAAAAAAAAAAf39/ACUAAABYAAAAAAAAAAAAAAAAAAAAAAAAAAAAAAAAAAAAAAAAAAAAAAAAAAAAAAAAAAAAAAA/AAAAAAAAAKCGAQAAAAAAAAAAAAAAAAAMAAAAAQAAAAAAAAAAAAAAAAAAAB8AAABUAAAAAAAABQAAAAEAAAAAAAAAAAAAAAAAAAAAAAAAAAAAAAAAAAAAAAAAAAAAAAJ/f38AAAAAA8zMzADAwP8Af39/AAAAAAAAAAAAAAAAAAAAAAAAAAAAIQAAABgAAAAUAAAAKwUAAFgKAADlJAAAaQ8AABAAAAAmAAAACAAAAIGAAAAAAAAAMAAAABQAAAAAAAAAAAD//wAAAQAAAP//AAABAA=="/>
+                <pr:smNativeData xmlns:mc="http://schemas.openxmlformats.org/markup-compatibility/2006" xmlns:p14="http://schemas.microsoft.com/office/powerpoint/2010/main" xmlns:p15="http://schemas.microsoft.com/office/powerpoint/2012/main" xmlns:pr="smNativeData" xmlns="smNativeData" val="SMDATA_16_xzE7ZxMAAAAlAAAAZAAAAA0AAAAAkAAAAEgAAACQAAAASAAAAAAAAAACAAAAAAAAAAEAAABQAAAAAAAAAAAA4D8AAAAAAADgPwAAAAAAAOA/AAAAAAAA4D8AAAAAAADgPwAAAAAAAOA/AAAAAAAA4D8AAAAAAADgPwAAAAAAAOA/AAAAAAAA4D8CAAAAjAAAAAAAAAAAAAAARHLEDP///wgAAAAAAAAAAAAAAAAAAAAAAAAAAAAAAAAAAAAAZAAAAAEAAABAAAAAAAAAAAAAAAAAAAAAAAAAAAAAAAAAAAAAAAAAAAAAAAAAAAAAAAAAAAAAAAAAAAAAAAAAAAAAAAAAAAAAAAAAAAAAAAAAAAAAAAAAAAAAAAAAAAAAFAAAADwAAAAAAAAAAAAAAAAAAAkUAAAAAQAAABQAAAAUAAAAFAAAAAEAAAAAAAAAZAAAAGQAAAAAAAAAZAAAAGQAAAAVAAAAYAAAAAAAAAAAAAAADwAAACADAAAAAAAAAAAAAAEAAACgMgAAVgcAAKr4//8BAAAAf39/AAEAAABkAAAAAAAAABQAAABAHwAAAAAAACYAAAAAAAAAwOD//wAAAAAmAAAAZAAAABYAAABMAAAAAAAAAAAAAAAEAAAAAAAAAAEAAADn5uYKAAAAACgAAAAoAAAAZAAAAGQAAAAAAAAAzMzMAAAAAABQAAAAUAAAAGQAAABkAAAAAAAAABcAAAAUAAAAAAAAAAAAAAD/fwAA/38AAAAAAAAJAAAABAAAAAAAAAAeAAAAaAAAAAAAAAAAAAAAAAAAAAAAAAAAAAAAECcAABAnAAAAAAAAAAAAAAAAAAAAAAAAAAAAAAAAAAAAAAAAAAAAABQAAAAAAAAAwMD/AAAAAABkAAAAMgAAAAAAAABkAAAAAAAAAH9/fwAKAAAAIgAAABgAAAAAAAAAAAAAAAAAAAAAAAAAAAAAAAAAAAAkAAAAJAAAAAAAAAAHAAAAAAAAAAAAAAAAAAAAAAAAAAAAAAAAAAAAf39/ACUAAABYAAAAAAAAAAAAAAAAAAAAAAAAAAAAAAAAAAAAAAAAAAAAAAAAAAAAAAAAAAAAAAA/AAAAAAAAAKCGAQAAAAAAAAAAAAAAAAAMAAAAAQAAAAAAAAAAAAAAAAAAAB8AAABUAAAAAAAABQAAAAEAAAAAAAAAAAAAAAAAAAAAAAAAAAAAAAAAAAAAAAAAAAAAAAJ/f38AAAAAA8zMzADAwP8Af39/AAAAAAAAAAAAAAAAAAAAAAAAAAAAIQAAABgAAAAUAAAAKwUAAFgKAADlJAAAaQ8AABAAAAAmAAAACAAAAIGAAAAAAAAAMAAAABQAAAAAAAAAAAD//wAAAQAAAP//AAABAA=="/>
               </a:ext>
             </a:extLst>
           </p:cNvSpPr>
@@ -2932,7 +2932,7 @@
             <a:spLocks noGrp="1" noChangeArrowheads="1"/>
             <a:extLst>
               <a:ext uri="smNativeData">
-                <pr:smNativeData xmlns="smNativeData" xmlns:pr="smNativeData" xmlns:p15="http://schemas.microsoft.com/office/powerpoint/2012/main" xmlns:p14="http://schemas.microsoft.com/office/powerpoint/2010/main" xmlns:mc="http://schemas.openxmlformats.org/markup-compatibility/2006" val="SMDATA_16_xzE7ZxMAAAAlAAAAZAAAAA0AAAAAkAAAAEgAAACQAAAASAAAAAAAAAAAAAAAAAAAAAEAAABQAAAAAAAAAAAA4D8AAAAAAADgPwAAAAAAAOA/AAAAAAAA4D8AAAAAAADgPwAAAAAAAOA/AAAAAAAA4D8AAAAAAADgPwAAAAAAAOA/AAAAAAAA4D8CAAAAjAAAAAAAAAAAAAAARHLEDP///wgAAAAAAAAAAAAAAAAAAAAAAAAAAAAAAAAAAAAAZAAAAAEAAABAAAAAAAAAAAAAAAAAAAAAAAAAAAAAAAAAAAAAAAAAAAAAAAAAAAAAAAAAAAAAAAAAAAAAAAAAAAAAAAAAAAAAAAAAAAAAAAAAAAAAAAAAAAAAAAAAAAAAFAAAADwAAAAAAAAAAAAAAAAAAAkUAAAAAQAAABQAAAAUAAAAFAAAAAEAAAAAAAAAZAAAAGQAAAAAAAAAZAAAAGQAAAAVAAAAYAAAAAAAAAAAAAAADwAAACADAAAAAAAAAAAAAAEAAACgMgAAVgcAAKr4//8BAAAAf39/AAEAAABkAAAAAAAAABQAAABAHwAAAAAAACYAAAAAAAAAwOD//wAAAAAmAAAAZAAAABYAAABMAAAAAAAAAAAAAAAEAAAAAAAAAAEAAADn5uYKAAAAACgAAAAoAAAAZAAAAGQAAAAAAAAAzMzMAAAAAABQAAAAUAAAAGQAAABkAAAAAAAAABcAAAAUAAAAAAAAAAAAAAD/fwAA/38AAAAAAAAJAAAABAAAAAAAAAAeAAAAaAAAAAAAAAAAAAAAAAAAAAAAAAAAAAAAECcAABAnAAAAAAAAAAAAAAAAAAAAAAAAAAAAAAAAAAAAAAAAAAAAABQAAAAAAAAAwMD/AAAAAABkAAAAMgAAAAAAAABkAAAAAAAAAH9/fwAKAAAAIgAAABgAAAAAAAAAAAAAAAAAAAAAAAAAAAAAAAAAAAAkAAAAJAAAAAAAAAAHAAAAAAAAAAAAAAAAAAAAAAAAAAAAAAAAAAAAf39/ACUAAABYAAAAAAAAAAAAAAAAAAAAAAAAAAAAAAAAAAAAAAAAAAAAAAAAAAAAAAAAAAAAAAA/AAAAAAAAAKCGAQAAAAAAAAAAAAAAAAAMAAAAAQAAAAAAAAAAAAAAAAAAAB8AAABUAAAAAAAABQAAAAEAAAAAAAAAAAAAAAAAAAAAAAAAAAAAAAAAAAAAAAAAAAAAAAJ/f38AAAAAA8zMzADAwP8Af39/AAAAAAAAAAAAAAAAAAAAAAAAAAAAIQAAABgAAAAUAAAAKwUAAGkPAADlJAAAFCYAABAAAAAmAAAACAAAAAEAAAAAAAAAMAAAABQAAAAAAAAAAAD//wAAAQAAAP//AAABAA=="/>
+                <pr:smNativeData xmlns:mc="http://schemas.openxmlformats.org/markup-compatibility/2006" xmlns:p14="http://schemas.microsoft.com/office/powerpoint/2010/main" xmlns:p15="http://schemas.microsoft.com/office/powerpoint/2012/main" xmlns:pr="smNativeData" xmlns="smNativeData" val="SMDATA_16_xzE7ZxMAAAAlAAAAZAAAAA0AAAAAkAAAAEgAAACQAAAASAAAAAAAAAAAAAAAAAAAAAEAAABQAAAAAAAAAAAA4D8AAAAAAADgPwAAAAAAAOA/AAAAAAAA4D8AAAAAAADgPwAAAAAAAOA/AAAAAAAA4D8AAAAAAADgPwAAAAAAAOA/AAAAAAAA4D8CAAAAjAAAAAAAAAAAAAAARHLEDP///wgAAAAAAAAAAAAAAAAAAAAAAAAAAAAAAAAAAAAAZAAAAAEAAABAAAAAAAAAAAAAAAAAAAAAAAAAAAAAAAAAAAAAAAAAAAAAAAAAAAAAAAAAAAAAAAAAAAAAAAAAAAAAAAAAAAAAAAAAAAAAAAAAAAAAAAAAAAAAAAAAAAAAFAAAADwAAAAAAAAAAAAAAAAAAAkUAAAAAQAAABQAAAAUAAAAFAAAAAEAAAAAAAAAZAAAAGQAAAAAAAAAZAAAAGQAAAAVAAAAYAAAAAAAAAAAAAAADwAAACADAAAAAAAAAAAAAAEAAACgMgAAVgcAAKr4//8BAAAAf39/AAEAAABkAAAAAAAAABQAAABAHwAAAAAAACYAAAAAAAAAwOD//wAAAAAmAAAAZAAAABYAAABMAAAAAAAAAAAAAAAEAAAAAAAAAAEAAADn5uYKAAAAACgAAAAoAAAAZAAAAGQAAAAAAAAAzMzMAAAAAABQAAAAUAAAAGQAAABkAAAAAAAAABcAAAAUAAAAAAAAAAAAAAD/fwAA/38AAAAAAAAJAAAABAAAAAAAAAAeAAAAaAAAAAAAAAAAAAAAAAAAAAAAAAAAAAAAECcAABAnAAAAAAAAAAAAAAAAAAAAAAAAAAAAAAAAAAAAAAAAAAAAABQAAAAAAAAAwMD/AAAAAABkAAAAMgAAAAAAAABkAAAAAAAAAH9/fwAKAAAAIgAAABgAAAAAAAAAAAAAAAAAAAAAAAAAAAAAAAAAAAAkAAAAJAAAAAAAAAAHAAAAAAAAAAAAAAAAAAAAAAAAAAAAAAAAAAAAf39/ACUAAABYAAAAAAAAAAAAAAAAAAAAAAAAAAAAAAAAAAAAAAAAAAAAAAAAAAAAAAAAAAAAAAA/AAAAAAAAAKCGAQAAAAAAAAAAAAAAAAAMAAAAAQAAAAAAAAAAAAAAAAAAAB8AAABUAAAAAAAABQAAAAEAAAAAAAAAAAAAAAAAAAAAAAAAAAAAAAAAAAAAAAAAAAAAAAJ/f38AAAAAA8zMzADAwP8Af39/AAAAAAAAAAAAAAAAAAAAAAAAAAAAIQAAABgAAAAUAAAAKwUAAGkPAADlJAAAFCYAABAAAAAmAAAACAAAAAEAAAAAAAAAMAAAABQAAAAAAAAAAAD//wAAAQAAAP//AAABAA=="/>
               </a:ext>
             </a:extLst>
           </p:cNvSpPr>
@@ -2998,7 +2998,7 @@
             <a:spLocks noGrp="1" noChangeArrowheads="1"/>
             <a:extLst>
               <a:ext uri="smNativeData">
-                <pr:smNativeData xmlns="smNativeData" xmlns:pr="smNativeData" xmlns:p15="http://schemas.microsoft.com/office/powerpoint/2012/main" xmlns:p14="http://schemas.microsoft.com/office/powerpoint/2010/main" xmlns:mc="http://schemas.openxmlformats.org/markup-compatibility/2006" val="SMDATA_16_xzE7ZxMAAAAlAAAAZAAAAA0AAAAAkAAAAEgAAACQAAAASAAAAAAAAAACAAAAAAAAAAEAAABQAAAAAAAAAAAA4D8AAAAAAADgPwAAAAAAAOA/AAAAAAAA4D8AAAAAAADgPwAAAAAAAOA/AAAAAAAA4D8AAAAAAADgPwAAAAAAAOA/AAAAAAAA4D8CAAAAjAAAAAAAAAAAAAAARHLEDP///wgAAAAAAAAAAAAAAAAAAAAAAAAAAAAAAAAAAAAAZAAAAAEAAABAAAAAAAAAAAAAAAAAAAAAAAAAAAAAAAAAAAAAAAAAAAAAAAAAAAAAAAAAAAAAAAAAAAAAAAAAAAAAAAAAAAAAAAAAAAAAAAAAAAAAAAAAAAAAAAAAAAAAFAAAADwAAAAAAAAAAAAAAAAAAAkUAAAAAQAAABQAAAAUAAAAFAAAAAEAAAAAAAAAZAAAAGQAAAAAAAAAZAAAAGQAAAAVAAAAYAAAAAAAAAAAAAAADwAAACADAAAAAAAAAAAAAAEAAACgMgAAVgcAAKr4//8BAAAAf39/AAEAAABkAAAAAAAAABQAAABAHwAAAAAAACYAAAAAAAAAwOD//wAAAAAmAAAAZAAAABYAAABMAAAAAAAAAAAAAAAEAAAAAAAAAAEAAADn5uYKAAAAACgAAAAoAAAAZAAAAGQAAAAAAAAAzMzMAAAAAABQAAAAUAAAAGQAAABkAAAAAAAAABcAAAAUAAAAAAAAAAAAAAD/fwAA/38AAAAAAAAJAAAABAAAAAAAAAAeAAAAaAAAAAAAAAAAAAAAAAAAAAAAAAAAAAAAECcAABAnAAAAAAAAAAAAAAAAAAAAAAAAAAAAAAAAAAAAAAAAAAAAABQAAAAAAAAAwMD/AAAAAABkAAAAMgAAAAAAAABkAAAAAAAAAH9/fwAKAAAAIgAAABgAAAAAAAAAAAAAAAAAAAAAAAAAAAAAAAAAAAAkAAAAJAAAAAAAAAAHAAAAAAAAAAAAAAAAAAAAAAAAAAAAAAAAAAAAf39/ACUAAABYAAAAAAAAAAAAAAAAAAAAAAAAAAAAAAAAAAAAAAAAAAAAAAAAAAAAAAAAAAAAAAA/AAAAAAAAAKCGAQAAAAAAAAAAAAAAAAAMAAAAAQAAAAAAAAAAAAAAAAAAAB8AAABUAAAAAAAABQAAAAEAAAAAAAAAAAAAAAAAAAAAAAAAAAAAAAAAAAAAAAAAAAAAAAJ/f38AAAAAA8zMzADAwP8Af39/AAAAAAAAAAAAAAAAAAAAAAAAAAAAIQAAABgAAAAUAAAA+CUAAFgKAADbRQAAaQ8AABAAAAAmAAAACAAAAIGAAAAAAAAAMAAAABQAAAAAAAAAAAD//wAAAQAAAP//AAABAA=="/>
+                <pr:smNativeData xmlns:mc="http://schemas.openxmlformats.org/markup-compatibility/2006" xmlns:p14="http://schemas.microsoft.com/office/powerpoint/2010/main" xmlns:p15="http://schemas.microsoft.com/office/powerpoint/2012/main" xmlns:pr="smNativeData" xmlns="smNativeData" val="SMDATA_16_xzE7ZxMAAAAlAAAAZAAAAA0AAAAAkAAAAEgAAACQAAAASAAAAAAAAAACAAAAAAAAAAEAAABQAAAAAAAAAAAA4D8AAAAAAADgPwAAAAAAAOA/AAAAAAAA4D8AAAAAAADgPwAAAAAAAOA/AAAAAAAA4D8AAAAAAADgPwAAAAAAAOA/AAAAAAAA4D8CAAAAjAAAAAAAAAAAAAAARHLEDP///wgAAAAAAAAAAAAAAAAAAAAAAAAAAAAAAAAAAAAAZAAAAAEAAABAAAAAAAAAAAAAAAAAAAAAAAAAAAAAAAAAAAAAAAAAAAAAAAAAAAAAAAAAAAAAAAAAAAAAAAAAAAAAAAAAAAAAAAAAAAAAAAAAAAAAAAAAAAAAAAAAAAAAFAAAADwAAAAAAAAAAAAAAAAAAAkUAAAAAQAAABQAAAAUAAAAFAAAAAEAAAAAAAAAZAAAAGQAAAAAAAAAZAAAAGQAAAAVAAAAYAAAAAAAAAAAAAAADwAAACADAAAAAAAAAAAAAAEAAACgMgAAVgcAAKr4//8BAAAAf39/AAEAAABkAAAAAAAAABQAAABAHwAAAAAAACYAAAAAAAAAwOD//wAAAAAmAAAAZAAAABYAAABMAAAAAAAAAAAAAAAEAAAAAAAAAAEAAADn5uYKAAAAACgAAAAoAAAAZAAAAGQAAAAAAAAAzMzMAAAAAABQAAAAUAAAAGQAAABkAAAAAAAAABcAAAAUAAAAAAAAAAAAAAD/fwAA/38AAAAAAAAJAAAABAAAAAAAAAAeAAAAaAAAAAAAAAAAAAAAAAAAAAAAAAAAAAAAECcAABAnAAAAAAAAAAAAAAAAAAAAAAAAAAAAAAAAAAAAAAAAAAAAABQAAAAAAAAAwMD/AAAAAABkAAAAMgAAAAAAAABkAAAAAAAAAH9/fwAKAAAAIgAAABgAAAAAAAAAAAAAAAAAAAAAAAAAAAAAAAAAAAAkAAAAJAAAAAAAAAAHAAAAAAAAAAAAAAAAAAAAAAAAAAAAAAAAAAAAf39/ACUAAABYAAAAAAAAAAAAAAAAAAAAAAAAAAAAAAAAAAAAAAAAAAAAAAAAAAAAAAAAAAAAAAA/AAAAAAAAAKCGAQAAAAAAAAAAAAAAAAAMAAAAAQAAAAAAAAAAAAAAAAAAAB8AAABUAAAAAAAABQAAAAEAAAAAAAAAAAAAAAAAAAAAAAAAAAAAAAAAAAAAAAAAAAAAAAJ/f38AAAAAA8zMzADAwP8Af39/AAAAAAAAAAAAAAAAAAAAAAAAAAAAIQAAABgAAAAUAAAA+CUAAFgKAADbRQAAaQ8AABAAAAAmAAAACAAAAIGAAAAAAAAAMAAAABQAAAAAAAAAAAD//wAAAQAAAP//AAABAA=="/>
               </a:ext>
             </a:extLst>
           </p:cNvSpPr>
@@ -3073,7 +3073,7 @@
             <a:spLocks noGrp="1" noChangeArrowheads="1"/>
             <a:extLst>
               <a:ext uri="smNativeData">
-                <pr:smNativeData xmlns="smNativeData" xmlns:pr="smNativeData" xmlns:p15="http://schemas.microsoft.com/office/powerpoint/2012/main" xmlns:p14="http://schemas.microsoft.com/office/powerpoint/2010/main" xmlns:mc="http://schemas.openxmlformats.org/markup-compatibility/2006" val="SMDATA_16_xzE7ZxMAAAAlAAAAZAAAAA0AAAAAkAAAAEgAAACQAAAASAAAAAAAAAAAAAAAAAAAAAEAAABQAAAAAAAAAAAA4D8AAAAAAADgPwAAAAAAAOA/AAAAAAAA4D8AAAAAAADgPwAAAAAAAOA/AAAAAAAA4D8AAAAAAADgPwAAAAAAAOA/AAAAAAAA4D8CAAAAjAAAAAAAAAAAAAAARHLEDP///wgAAAAAAAAAAAAAAAAAAAAAAAAAAAAAAAAAAAAAZAAAAAEAAABAAAAAAAAAAAAAAAAAAAAAAAAAAAAAAAAAAAAAAAAAAAAAAAAAAAAAAAAAAAAAAAAAAAAAAAAAAAAAAAAAAAAAAAAAAAAAAAAAAAAAAAAAAAAAAAAAAAAAFAAAADwAAAAAAAAAAAAAAAAAAAkUAAAAAQAAABQAAAAUAAAAFAAAAAEAAAAAAAAAZAAAAGQAAAAAAAAAZAAAAGQAAAAVAAAAYAAAAAAAAAAAAAAADwAAACADAAAAAAAAAAAAAAEAAACgMgAAVgcAAKr4//8BAAAAf39/AAEAAABkAAAAAAAAABQAAABAHwAAAAAAACYAAAAAAAAAwOD//wAAAAAmAAAAZAAAABYAAABMAAAAAAAAAAAAAAAEAAAAAAAAAAEAAADn5uYKAAAAACgAAAAoAAAAZAAAAGQAAAAAAAAAzMzMAAAAAABQAAAAUAAAAGQAAABkAAAAAAAAABcAAAAUAAAAAAAAAAAAAAD/fwAA/38AAAAAAAAJAAAABAAAAAAAAAAeAAAAaAAAAAAAAAAAAAAAAAAAAAAAAAAAAAAAECcAABAnAAAAAAAAAAAAAAAAAAAAAAAAAAAAAAAAAAAAAAAAAAAAABQAAAAAAAAAwMD/AAAAAABkAAAAMgAAAAAAAABkAAAAAAAAAH9/fwAKAAAAIgAAABgAAAAAAAAAAAAAAAAAAAAAAAAAAAAAAAAAAAAkAAAAJAAAAAAAAAAHAAAAAAAAAAAAAAAAAAAAAAAAAAAAAAAAAAAAf39/ACUAAABYAAAAAAAAAAAAAAAAAAAAAAAAAAAAAAAAAAAAAAAAAAAAAAAAAAAAAAAAAAAAAAA/AAAAAAAAAKCGAQAAAAAAAAAAAAAAAAAMAAAAAQAAAAAAAAAAAAAAAAAAAB8AAABUAAAAAAAABQAAAAEAAAAAAAAAAAAAAAAAAAAAAAAAAAAAAAAAAAAAAAAAAAAAAAJ/f38AAAAAA8zMzADAwP8Af39/AAAAAAAAAAAAAAAAAAAAAAAAAAAAIQAAABgAAAAUAAAA+CUAAGkPAADbRQAAFCYAABAAAAAmAAAACAAAAAEAAAAAAAAAMAAAABQAAAAAAAAAAAD//wAAAQAAAP//AAABAA=="/>
+                <pr:smNativeData xmlns:mc="http://schemas.openxmlformats.org/markup-compatibility/2006" xmlns:p14="http://schemas.microsoft.com/office/powerpoint/2010/main" xmlns:p15="http://schemas.microsoft.com/office/powerpoint/2012/main" xmlns:pr="smNativeData" xmlns="smNativeData" val="SMDATA_16_xzE7ZxMAAAAlAAAAZAAAAA0AAAAAkAAAAEgAAACQAAAASAAAAAAAAAAAAAAAAAAAAAEAAABQAAAAAAAAAAAA4D8AAAAAAADgPwAAAAAAAOA/AAAAAAAA4D8AAAAAAADgPwAAAAAAAOA/AAAAAAAA4D8AAAAAAADgPwAAAAAAAOA/AAAAAAAA4D8CAAAAjAAAAAAAAAAAAAAARHLEDP///wgAAAAAAAAAAAAAAAAAAAAAAAAAAAAAAAAAAAAAZAAAAAEAAABAAAAAAAAAAAAAAAAAAAAAAAAAAAAAAAAAAAAAAAAAAAAAAAAAAAAAAAAAAAAAAAAAAAAAAAAAAAAAAAAAAAAAAAAAAAAAAAAAAAAAAAAAAAAAAAAAAAAAFAAAADwAAAAAAAAAAAAAAAAAAAkUAAAAAQAAABQAAAAUAAAAFAAAAAEAAAAAAAAAZAAAAGQAAAAAAAAAZAAAAGQAAAAVAAAAYAAAAAAAAAAAAAAADwAAACADAAAAAAAAAAAAAAEAAACgMgAAVgcAAKr4//8BAAAAf39/AAEAAABkAAAAAAAAABQAAABAHwAAAAAAACYAAAAAAAAAwOD//wAAAAAmAAAAZAAAABYAAABMAAAAAAAAAAAAAAAEAAAAAAAAAAEAAADn5uYKAAAAACgAAAAoAAAAZAAAAGQAAAAAAAAAzMzMAAAAAABQAAAAUAAAAGQAAABkAAAAAAAAABcAAAAUAAAAAAAAAAAAAAD/fwAA/38AAAAAAAAJAAAABAAAAAAAAAAeAAAAaAAAAAAAAAAAAAAAAAAAAAAAAAAAAAAAECcAABAnAAAAAAAAAAAAAAAAAAAAAAAAAAAAAAAAAAAAAAAAAAAAABQAAAAAAAAAwMD/AAAAAABkAAAAMgAAAAAAAABkAAAAAAAAAH9/fwAKAAAAIgAAABgAAAAAAAAAAAAAAAAAAAAAAAAAAAAAAAAAAAAkAAAAJAAAAAAAAAAHAAAAAAAAAAAAAAAAAAAAAAAAAAAAAAAAAAAAf39/ACUAAABYAAAAAAAAAAAAAAAAAAAAAAAAAAAAAAAAAAAAAAAAAAAAAAAAAAAAAAAAAAAAAAA/AAAAAAAAAKCGAQAAAAAAAAAAAAAAAAAMAAAAAQAAAAAAAAAAAAAAAAAAAB8AAABUAAAAAAAABQAAAAEAAAAAAAAAAAAAAAAAAAAAAAAAAAAAAAAAAAAAAAAAAAAAAAJ/f38AAAAAA8zMzADAwP8Af39/AAAAAAAAAAAAAAAAAAAAAAAAAAAAIQAAABgAAAAUAAAA+CUAAGkPAADbRQAAFCYAABAAAAAmAAAACAAAAAEAAAAAAAAAMAAAABQAAAAAAAAAAAD//wAAAQAAAP//AAABAA=="/>
               </a:ext>
             </a:extLst>
           </p:cNvSpPr>
@@ -3139,7 +3139,7 @@
             <a:spLocks noGrp="1" noChangeArrowheads="1"/>
             <a:extLst>
               <a:ext uri="smNativeData">
-                <pr:smNativeData xmlns="smNativeData" xmlns:pr="smNativeData" xmlns:p15="http://schemas.microsoft.com/office/powerpoint/2012/main" xmlns:p14="http://schemas.microsoft.com/office/powerpoint/2010/main" xmlns:mc="http://schemas.openxmlformats.org/markup-compatibility/2006" val="SMDATA_16_xzE7ZxMAAAAlAAAAZAAAAA0AAAAAkAAAAEgAAACQAAAASAAAAAAAAAABAAAAAAAAAAEAAABQAAAAAAAAAAAA4D8AAAAAAADgPwAAAAAAAOA/AAAAAAAA4D8AAAAAAADgPwAAAAAAAOA/AAAAAAAA4D8AAAAAAADgPwAAAAAAAOA/AAAAAAAA4D8CAAAAjAAAAAAAAAAAAAAARHLEDP///wgAAAAAAAAAAAAAAAAAAAAAAAAAAAAAAAAAAAAAZAAAAAEAAABAAAAAAAAAAAAAAAAAAAAAAAAAAAAAAAAAAAAAAAAAAAAAAAAAAAAAAAAAAAAAAAAAAAAAAAAAAAAAAAAAAAAAAAAAAAAAAAAAAAAAAAAAAAAAAAAAAAAAFAAAADwAAAAAAAAAAAAAAAAAAAkUAAAAAQAAABQAAAAUAAAAFAAAAAEAAAAAAAAAZAAAAGQAAAAAAAAAZAAAAGQAAAAVAAAAYAAAAAAAAAAAAAAADwAAACADAAAAAAAAAAAAAAEAAACgMgAAVgcAAKr4//8BAAAAf39/AAEAAABkAAAAAAAAABQAAABAHwAAAAAAACYAAAAAAAAAwOD//wAAAAAmAAAAZAAAABYAAABMAAAAAAAAAAAAAAAEAAAAAAAAAAEAAADn5uYKAAAAACgAAAAoAAAAZAAAAGQAAAAAAAAAzMzMAAAAAABQAAAAUAAAAGQAAABkAAAAAAAAABcAAAAUAAAAAAAAAAAAAAD/fwAA/38AAAAAAAAJAAAABAAAAAAAAAAeAAAAaAAAAAAAAAAAAAAAAAAAAAAAAAAAAAAAECcAABAnAAAAAAAAAAAAAAAAAAAAAAAAAAAAAAAAAAAAAAAAAAAAABQAAAAAAAAAwMD/AAAAAABkAAAAMgAAAAAAAABkAAAAAAAAAH9/fwAKAAAAIgAAABgAAAAAAAAAAAAAAAAAAAAAAAAAAAAAAAAAAAAkAAAAJAAAAAAAAAAHAAAAAAAAAAAAAAAAAAAAAAAAAAAAAAAAAAAAf39/ACUAAABYAAAAAAAAAAAAAAAAAAAAAAAAAAAAAAAAAAAAAAAAAAAAAAAAAAAAAAAAAAAAAAA/AAAAAAAAAKCGAQAAAAAAAAAAAAAAAAAMAAAAAQAAAAAAAAAAAAAAAAAAAB8AAABUAAAAAAAABQAAAAEAAAAAAAAAAAAAAAAAAAAAAAAAAAAAAAAAAAAAAAAAAAAAAAJ/f38AAAAAA8zMzADAwP8Af39/AAAAAAAAAAAAAAAAAAAAAAAAAAAAIQAAABgAAAAUAAAAKAUAABonAAAIFgAAWSkAABAAAAAmAAAACAAAAAAAAAAAAAAAMAAAABQAAAAAAAAAAAD//wAAAQAAAP//AAABAA=="/>
+                <pr:smNativeData xmlns:mc="http://schemas.openxmlformats.org/markup-compatibility/2006" xmlns:p14="http://schemas.microsoft.com/office/powerpoint/2010/main" xmlns:p15="http://schemas.microsoft.com/office/powerpoint/2012/main" xmlns:pr="smNativeData" xmlns="smNativeData" val="SMDATA_16_xzE7ZxMAAAAlAAAAZAAAAA0AAAAAkAAAAEgAAACQAAAASAAAAAAAAAABAAAAAAAAAAEAAABQAAAAAAAAAAAA4D8AAAAAAADgPwAAAAAAAOA/AAAAAAAA4D8AAAAAAADgPwAAAAAAAOA/AAAAAAAA4D8AAAAAAADgPwAAAAAAAOA/AAAAAAAA4D8CAAAAjAAAAAAAAAAAAAAARHLEDP///wgAAAAAAAAAAAAAAAAAAAAAAAAAAAAAAAAAAAAAZAAAAAEAAABAAAAAAAAAAAAAAAAAAAAAAAAAAAAAAAAAAAAAAAAAAAAAAAAAAAAAAAAAAAAAAAAAAAAAAAAAAAAAAAAAAAAAAAAAAAAAAAAAAAAAAAAAAAAAAAAAAAAAFAAAADwAAAAAAAAAAAAAAAAAAAkUAAAAAQAAABQAAAAUAAAAFAAAAAEAAAAAAAAAZAAAAGQAAAAAAAAAZAAAAGQAAAAVAAAAYAAAAAAAAAAAAAAADwAAACADAAAAAAAAAAAAAAEAAACgMgAAVgcAAKr4//8BAAAAf39/AAEAAABkAAAAAAAAABQAAABAHwAAAAAAACYAAAAAAAAAwOD//wAAAAAmAAAAZAAAABYAAABMAAAAAAAAAAAAAAAEAAAAAAAAAAEAAADn5uYKAAAAACgAAAAoAAAAZAAAAGQAAAAAAAAAzMzMAAAAAABQAAAAUAAAAGQAAABkAAAAAAAAABcAAAAUAAAAAAAAAAAAAAD/fwAA/38AAAAAAAAJAAAABAAAAAAAAAAeAAAAaAAAAAAAAAAAAAAAAAAAAAAAAAAAAAAAECcAABAnAAAAAAAAAAAAAAAAAAAAAAAAAAAAAAAAAAAAAAAAAAAAABQAAAAAAAAAwMD/AAAAAABkAAAAMgAAAAAAAABkAAAAAAAAAH9/fwAKAAAAIgAAABgAAAAAAAAAAAAAAAAAAAAAAAAAAAAAAAAAAAAkAAAAJAAAAAAAAAAHAAAAAAAAAAAAAAAAAAAAAAAAAAAAAAAAAAAAf39/ACUAAABYAAAAAAAAAAAAAAAAAAAAAAAAAAAAAAAAAAAAAAAAAAAAAAAAAAAAAAAAAAAAAAA/AAAAAAAAAKCGAQAAAAAAAAAAAAAAAAAMAAAAAQAAAAAAAAAAAAAAAAAAAB8AAABUAAAAAAAABQAAAAEAAAAAAAAAAAAAAAAAAAAAAAAAAAAAAAAAAAAAAAAAAAAAAAJ/f38AAAAAA8zMzADAwP8Af39/AAAAAAAAAAAAAAAAAAAAAAAAAAAAIQAAABgAAAAUAAAAKAUAABonAAAIFgAAWSkAABAAAAAmAAAACAAAAAAAAAAAAAAAMAAAABQAAAAAAAAAAAD//wAAAQAAAP//AAABAA=="/>
               </a:ext>
             </a:extLst>
           </p:cNvSpPr>
@@ -3169,7 +3169,7 @@
             <a:spLocks noGrp="1" noChangeArrowheads="1"/>
             <a:extLst>
               <a:ext uri="smNativeData">
-                <pr:smNativeData xmlns="smNativeData" xmlns:pr="smNativeData" xmlns:p15="http://schemas.microsoft.com/office/powerpoint/2012/main" xmlns:p14="http://schemas.microsoft.com/office/powerpoint/2010/main" xmlns:mc="http://schemas.openxmlformats.org/markup-compatibility/2006" val="SMDATA_16_xzE7ZxMAAAAlAAAAZAAAAA0AAAAAkAAAAEgAAACQAAAASAAAAAAAAAABAAAAAAAAAAEAAABQAAAAAAAAAAAA4D8AAAAAAADgPwAAAAAAAOA/AAAAAAAA4D8AAAAAAADgPwAAAAAAAOA/AAAAAAAA4D8AAAAAAADgPwAAAAAAAOA/AAAAAAAA4D8CAAAAjAAAAAAAAAAAAAAARHLEDP///wgAAAAAAAAAAAAAAAAAAAAAAAAAAAAAAAAAAAAAZAAAAAEAAABAAAAAAAAAAAAAAAAAAAAAAAAAAAAAAAAAAAAAAAAAAAAAAAAAAAAAAAAAAAAAAAAAAAAAAAAAAAAAAAAAAAAAAAAAAAAAAAAAAAAAAAAAAAAAAAAAAAAAFAAAADwAAAAAAAAAAAAAAAAAAAkUAAAAAQAAABQAAAAUAAAAFAAAAAEAAAAAAAAAZAAAAGQAAAAAAAAAZAAAAGQAAAAVAAAAYAAAAAAAAAAAAAAADwAAACADAAAAAAAAAAAAAAEAAACgMgAAVgcAAKr4//8BAAAAf39/AAEAAABkAAAAAAAAABQAAABAHwAAAAAAACYAAAAAAAAAwOD//wAAAAAmAAAAZAAAABYAAABMAAAAAAAAAAAAAAAEAAAAAAAAAAEAAADn5uYKAAAAACgAAAAoAAAAZAAAAGQAAAAAAAAAzMzMAAAAAABQAAAAUAAAAGQAAABkAAAAAAAAABcAAAAUAAAAAAAAAAAAAAD/fwAA/38AAAAAAAAJAAAABAAAAAAAAAAeAAAAaAAAAAAAAAAAAAAAAAAAAAAAAAAAAAAAECcAABAnAAAAAAAAAAAAAAAAAAAAAAAAAAAAAAAAAAAAAAAAAAAAABQAAAAAAAAAwMD/AAAAAABkAAAAMgAAAAAAAABkAAAAAAAAAH9/fwAKAAAAIgAAABgAAAAAAAAAAAAAAAAAAAAAAAAAAAAAAAAAAAAkAAAAJAAAAAAAAAAHAAAAAAAAAAAAAAAAAAAAAAAAAAAAAAAAAAAAf39/ACUAAABYAAAAAAAAAAAAAAAAAAAAAAAAAAAAAAAAAAAAAAAAAAAAAAAAAAAAAAAAAAAAAAA/AAAAAAAAAKCGAQAAAAAAAAAAAAAAAAAMAAAAAQAAAAAAAAAAAAAAAAAAAB8AAABUAAAAAAAABQAAAAEAAAAAAAAAAAAAAAAAAAAAAAAAAAAAAAAAAAAAAAAAAAAAAAJ/f38AAAAAA8zMzADAwP8Af39/AAAAAAAAAAAAAAAAAAAAAAAAAAAAIQAAABgAAAAUAAAA2BgAABonAAAoMgAAWSkAABAAAAAmAAAACAAAAAAAAAAAAAAAMAAAABQAAAAAAAAAAAD//wAAAQAAAP//AAABAA=="/>
+                <pr:smNativeData xmlns:mc="http://schemas.openxmlformats.org/markup-compatibility/2006" xmlns:p14="http://schemas.microsoft.com/office/powerpoint/2010/main" xmlns:p15="http://schemas.microsoft.com/office/powerpoint/2012/main" xmlns:pr="smNativeData" xmlns="smNativeData" val="SMDATA_16_xzE7ZxMAAAAlAAAAZAAAAA0AAAAAkAAAAEgAAACQAAAASAAAAAAAAAABAAAAAAAAAAEAAABQAAAAAAAAAAAA4D8AAAAAAADgPwAAAAAAAOA/AAAAAAAA4D8AAAAAAADgPwAAAAAAAOA/AAAAAAAA4D8AAAAAAADgPwAAAAAAAOA/AAAAAAAA4D8CAAAAjAAAAAAAAAAAAAAARHLEDP///wgAAAAAAAAAAAAAAAAAAAAAAAAAAAAAAAAAAAAAZAAAAAEAAABAAAAAAAAAAAAAAAAAAAAAAAAAAAAAAAAAAAAAAAAAAAAAAAAAAAAAAAAAAAAAAAAAAAAAAAAAAAAAAAAAAAAAAAAAAAAAAAAAAAAAAAAAAAAAAAAAAAAAFAAAADwAAAAAAAAAAAAAAAAAAAkUAAAAAQAAABQAAAAUAAAAFAAAAAEAAAAAAAAAZAAAAGQAAAAAAAAAZAAAAGQAAAAVAAAAYAAAAAAAAAAAAAAADwAAACADAAAAAAAAAAAAAAEAAACgMgAAVgcAAKr4//8BAAAAf39/AAEAAABkAAAAAAAAABQAAABAHwAAAAAAACYAAAAAAAAAwOD//wAAAAAmAAAAZAAAABYAAABMAAAAAAAAAAAAAAAEAAAAAAAAAAEAAADn5uYKAAAAACgAAAAoAAAAZAAAAGQAAAAAAAAAzMzMAAAAAABQAAAAUAAAAGQAAABkAAAAAAAAABcAAAAUAAAAAAAAAAAAAAD/fwAA/38AAAAAAAAJAAAABAAAAAAAAAAeAAAAaAAAAAAAAAAAAAAAAAAAAAAAAAAAAAAAECcAABAnAAAAAAAAAAAAAAAAAAAAAAAAAAAAAAAAAAAAAAAAAAAAABQAAAAAAAAAwMD/AAAAAABkAAAAMgAAAAAAAABkAAAAAAAAAH9/fwAKAAAAIgAAABgAAAAAAAAAAAAAAAAAAAAAAAAAAAAAAAAAAAAkAAAAJAAAAAAAAAAHAAAAAAAAAAAAAAAAAAAAAAAAAAAAAAAAAAAAf39/ACUAAABYAAAAAAAAAAAAAAAAAAAAAAAAAAAAAAAAAAAAAAAAAAAAAAAAAAAAAAAAAAAAAAA/AAAAAAAAAKCGAQAAAAAAAAAAAAAAAAAMAAAAAQAAAAAAAAAAAAAAAAAAAB8AAABUAAAAAAAABQAAAAEAAAAAAAAAAAAAAAAAAAAAAAAAAAAAAAAAAAAAAAAAAAAAAAJ/f38AAAAAA8zMzADAwP8Af39/AAAAAAAAAAAAAAAAAAAAAAAAAAAAIQAAABgAAAAUAAAA2BgAABonAAAoMgAAWSkAABAAAAAmAAAACAAAAAAAAAAAAAAAMAAAABQAAAAAAAAAAAD//wAAAQAAAP//AAABAA=="/>
               </a:ext>
             </a:extLst>
           </p:cNvSpPr>
@@ -3196,7 +3196,7 @@
             <a:spLocks noGrp="1" noChangeArrowheads="1"/>
             <a:extLst>
               <a:ext uri="smNativeData">
-                <pr:smNativeData xmlns="smNativeData" xmlns:pr="smNativeData" xmlns:p15="http://schemas.microsoft.com/office/powerpoint/2012/main" xmlns:p14="http://schemas.microsoft.com/office/powerpoint/2010/main" xmlns:mc="http://schemas.openxmlformats.org/markup-compatibility/2006" val="SMDATA_16_xzE7ZxMAAAAlAAAAZAAAAA0AAAAAkAAAAEgAAACQAAAASAAAAAAAAAABAAAAAAAAAAEAAABQAAAAAAAAAAAA4D8AAAAAAADgPwAAAAAAAOA/AAAAAAAA4D8AAAAAAADgPwAAAAAAAOA/AAAAAAAA4D8AAAAAAADgPwAAAAAAAOA/AAAAAAAA4D8CAAAAjAAAAAAAAAAAAAAARHLEDP///wgAAAAAAAAAAAAAAAAAAAAAAAAAAAAAAAAAAAAAZAAAAAEAAABAAAAAAAAAAAAAAAAAAAAAAAAAAAAAAAAAAAAAAAAAAAAAAAAAAAAAAAAAAAAAAAAAAAAAAAAAAAAAAAAAAAAAAAAAAAAAAAAAAAAAAAAAAAAAAAAAAAAAFAAAADwAAAAAAAAAAAAAAAAAAAkUAAAAAQAAABQAAAAUAAAAFAAAAAEAAAAAAAAAZAAAAGQAAAAAAAAAZAAAAGQAAAAVAAAAYAAAAAAAAAAAAAAADwAAACADAAAAAAAAAAAAAAEAAACgMgAAVgcAAKr4//8BAAAAf39/AAEAAABkAAAAAAAAABQAAABAHwAAAAAAACYAAAAAAAAAwOD//wAAAAAmAAAAZAAAABYAAABMAAAAAAAAAAAAAAAEAAAAAAAAAAEAAADn5uYKAAAAACgAAAAoAAAAZAAAAGQAAAAAAAAAzMzMAAAAAABQAAAAUAAAAGQAAABkAAAAAAAAABcAAAAUAAAAAAAAAAAAAAD/fwAA/38AAAAAAAAJAAAABAAAAAAAAAAeAAAAaAAAAAAAAAAAAAAAAAAAAAAAAAAAAAAAECcAABAnAAAAAAAAAAAAAAAAAAAAAAAAAAAAAAAAAAAAAAAAAAAAABQAAAAAAAAAwMD/AAAAAABkAAAAMgAAAAAAAABkAAAAAAAAAH9/fwAKAAAAIgAAABgAAAAAAAAAAAAAAAAAAAAAAAAAAAAAAAAAAAAkAAAAJAAAAAAAAAAHAAAAAAAAAAAAAAAAAAAAAAAAAAAAAAAAAAAAf39/ACUAAABYAAAAAAAAAAAAAAAAAAAAAAAAAAAAAAAAAAAAAAAAAAAAAAAAAAAAAAAAAAAAAAA/AAAAAAAAAKCGAQAAAAAAAAAAAAAAAAAMAAAAAQAAAAAAAAAAAAAAAAAAAB8AAABUAAAAAAAABQAAAAEAAAAAAAAAAAAAAAAAAAAAAAAAAAAAAAAAAAAAAAAAAAAAAAJ/f38AAAAAA8zMzADAwP8Af39/AAAAAAAAAAAAAAAAAAAAAAAAAAAAIQAAABgAAAAUAAAA+DQAABonAADYRQAAWSkAABAAAAAmAAAACAAAAAAAAAAAAAAAMAAAABQAAAAAAAAAAAD//wAAAQAAAP//AAABAA=="/>
+                <pr:smNativeData xmlns:mc="http://schemas.openxmlformats.org/markup-compatibility/2006" xmlns:p14="http://schemas.microsoft.com/office/powerpoint/2010/main" xmlns:p15="http://schemas.microsoft.com/office/powerpoint/2012/main" xmlns:pr="smNativeData" xmlns="smNativeData" val="SMDATA_16_xzE7ZxMAAAAlAAAAZAAAAA0AAAAAkAAAAEgAAACQAAAASAAAAAAAAAABAAAAAAAAAAEAAABQAAAAAAAAAAAA4D8AAAAAAADgPwAAAAAAAOA/AAAAAAAA4D8AAAAAAADgPwAAAAAAAOA/AAAAAAAA4D8AAAAAAADgPwAAAAAAAOA/AAAAAAAA4D8CAAAAjAAAAAAAAAAAAAAARHLEDP///wgAAAAAAAAAAAAAAAAAAAAAAAAAAAAAAAAAAAAAZAAAAAEAAABAAAAAAAAAAAAAAAAAAAAAAAAAAAAAAAAAAAAAAAAAAAAAAAAAAAAAAAAAAAAAAAAAAAAAAAAAAAAAAAAAAAAAAAAAAAAAAAAAAAAAAAAAAAAAAAAAAAAAFAAAADwAAAAAAAAAAAAAAAAAAAkUAAAAAQAAABQAAAAUAAAAFAAAAAEAAAAAAAAAZAAAAGQAAAAAAAAAZAAAAGQAAAAVAAAAYAAAAAAAAAAAAAAADwAAACADAAAAAAAAAAAAAAEAAACgMgAAVgcAAKr4//8BAAAAf39/AAEAAABkAAAAAAAAABQAAABAHwAAAAAAACYAAAAAAAAAwOD//wAAAAAmAAAAZAAAABYAAABMAAAAAAAAAAAAAAAEAAAAAAAAAAEAAADn5uYKAAAAACgAAAAoAAAAZAAAAGQAAAAAAAAAzMzMAAAAAABQAAAAUAAAAGQAAABkAAAAAAAAABcAAAAUAAAAAAAAAAAAAAD/fwAA/38AAAAAAAAJAAAABAAAAAAAAAAeAAAAaAAAAAAAAAAAAAAAAAAAAAAAAAAAAAAAECcAABAnAAAAAAAAAAAAAAAAAAAAAAAAAAAAAAAAAAAAAAAAAAAAABQAAAAAAAAAwMD/AAAAAABkAAAAMgAAAAAAAABkAAAAAAAAAH9/fwAKAAAAIgAAABgAAAAAAAAAAAAAAAAAAAAAAAAAAAAAAAAAAAAkAAAAJAAAAAAAAAAHAAAAAAAAAAAAAAAAAAAAAAAAAAAAAAAAAAAAf39/ACUAAABYAAAAAAAAAAAAAAAAAAAAAAAAAAAAAAAAAAAAAAAAAAAAAAAAAAAAAAAAAAAAAAA/AAAAAAAAAKCGAQAAAAAAAAAAAAAAAAAMAAAAAQAAAAAAAAAAAAAAAAAAAB8AAABUAAAAAAAABQAAAAEAAAAAAAAAAAAAAAAAAAAAAAAAAAAAAAAAAAAAAAAAAAAAAAJ/f38AAAAAA8zMzADAwP8Af39/AAAAAAAAAAAAAAAAAAAAAAAAAAAAIQAAABgAAAAUAAAA+DQAABonAADYRQAAWSkAABAAAAAmAAAACAAAAAAAAAAAAAAAMAAAABQAAAAAAAAAAAD//wAAAQAAAP//AAABAA=="/>
               </a:ext>
             </a:extLst>
           </p:cNvSpPr>
@@ -3252,7 +3252,7 @@
             <a:spLocks noGrp="1" noChangeArrowheads="1"/>
             <a:extLst>
               <a:ext uri="smNativeData">
-                <pr:smNativeData xmlns="smNativeData" xmlns:pr="smNativeData" xmlns:p15="http://schemas.microsoft.com/office/powerpoint/2012/main" xmlns:p14="http://schemas.microsoft.com/office/powerpoint/2010/main" xmlns:mc="http://schemas.openxmlformats.org/markup-compatibility/2006" val="SMDATA_16_xzE7ZxMAAAAlAAAAZAAAAA0AAAAAkAAAAEgAAACQAAAASAAAAAAAAAABAAAAAAAAAAEAAABQAAAAAAAAAAAA4D8AAAAAAADgPwAAAAAAAOA/AAAAAAAA4D8AAAAAAADgPwAAAAAAAOA/AAAAAAAA4D8AAAAAAADgPwAAAAAAAOA/AAAAAAAA4D8CAAAAjAAAAAAAAAAAAAAARHLEDP///wgAAAAAAAAAAAAAAAAAAAAAAAAAAAAAAAAAAAAAZAAAAAEAAABAAAAAAAAAAAAAAAAAAAAAAAAAAAAAAAAAAAAAAAAAAAAAAAAAAAAAAAAAAAAAAAAAAAAAAAAAAAAAAAAAAAAAAAAAAAAAAAAAAAAAAAAAAAAAAAAAAAAAFAAAADwAAAAAAAAAAAAAAAAAAAkUAAAAAQAAABQAAAAUAAAAFAAAAAEAAAAAAAAAZAAAAGQAAAAAAAAAZAAAAGQAAAAVAAAAYAAAAAAAAAAAAAAADwAAACADAAAAAAAAAAAAAAEAAACgMgAAVgcAAKr4//8BAAAAf39/AAEAAABkAAAAAAAAABQAAABAHwAAAAAAACYAAAAAAAAAwOD//wAAAAAmAAAAZAAAABYAAABMAAAAAAAAAAAAAAAEAAAAAAAAAAEAAADn5uYKAAAAACgAAAAoAAAAZAAAAGQAAAAAAAAAzMzMAAAAAABQAAAAUAAAAGQAAABkAAAAAAAAABcAAAAUAAAAAAAAAAAAAAD/fwAA/38AAAAAAAAJAAAABAAAAAAAAAAeAAAAaAAAAAAAAAAAAAAAAAAAAAAAAAAAAAAAECcAABAnAAAAAAAAAAAAAAAAAAAAAAAAAAAAAAAAAAAAAAAAAAAAABQAAAAAAAAAwMD/AAAAAABkAAAAMgAAAAAAAABkAAAAAAAAAH9/fwAKAAAAIgAAABgAAAAAAAAAAAAAAAAAAAAAAAAAAAAAAAAAAAAkAAAAJAAAAAAAAAAHAAAAAAAAAAAAAAAAAAAAAAAAAAAAAAAAAAAAf39/ACUAAABYAAAAAAAAAAAAAAAAAAAAAAAAAAAAAAAAAAAAAAAAAAAAAAAAAAAAAAAAAAAAAAA/AAAAAAAAAKCGAQAAAAAAAAAAAAAAAAAMAAAAAQAAAAAAAAAAAAAAAAAAAB8AAABUAAAAAAAABQAAAAEAAAAAAAAAAAAAAAAAAAAAAAAAAAAAAAAAAAAAAAAAAAAAAAJ/f38AAAAAA8zMzADAwP8Af39/AAAAAAAAAAAAAAAAAAAAAAAAAAAAIQAAABgAAAAUAAAAKAUAAD8CAADYRQAAZwoAABAAAAAmAAAACAAAAAAAAAAAAAAAMAAAABQAAAAAAAAAAAD//wAAAQAAAP//AAABAA=="/>
+                <pr:smNativeData xmlns:mc="http://schemas.openxmlformats.org/markup-compatibility/2006" xmlns:p14="http://schemas.microsoft.com/office/powerpoint/2010/main" xmlns:p15="http://schemas.microsoft.com/office/powerpoint/2012/main" xmlns:pr="smNativeData" xmlns="smNativeData" val="SMDATA_16_xzE7ZxMAAAAlAAAAZAAAAA0AAAAAkAAAAEgAAACQAAAASAAAAAAAAAABAAAAAAAAAAEAAABQAAAAAAAAAAAA4D8AAAAAAADgPwAAAAAAAOA/AAAAAAAA4D8AAAAAAADgPwAAAAAAAOA/AAAAAAAA4D8AAAAAAADgPwAAAAAAAOA/AAAAAAAA4D8CAAAAjAAAAAAAAAAAAAAARHLEDP///wgAAAAAAAAAAAAAAAAAAAAAAAAAAAAAAAAAAAAAZAAAAAEAAABAAAAAAAAAAAAAAAAAAAAAAAAAAAAAAAAAAAAAAAAAAAAAAAAAAAAAAAAAAAAAAAAAAAAAAAAAAAAAAAAAAAAAAAAAAAAAAAAAAAAAAAAAAAAAAAAAAAAAFAAAADwAAAAAAAAAAAAAAAAAAAkUAAAAAQAAABQAAAAUAAAAFAAAAAEAAAAAAAAAZAAAAGQAAAAAAAAAZAAAAGQAAAAVAAAAYAAAAAAAAAAAAAAADwAAACADAAAAAAAAAAAAAAEAAACgMgAAVgcAAKr4//8BAAAAf39/AAEAAABkAAAAAAAAABQAAABAHwAAAAAAACYAAAAAAAAAwOD//wAAAAAmAAAAZAAAABYAAABMAAAAAAAAAAAAAAAEAAAAAAAAAAEAAADn5uYKAAAAACgAAAAoAAAAZAAAAGQAAAAAAAAAzMzMAAAAAABQAAAAUAAAAGQAAABkAAAAAAAAABcAAAAUAAAAAAAAAAAAAAD/fwAA/38AAAAAAAAJAAAABAAAAAAAAAAeAAAAaAAAAAAAAAAAAAAAAAAAAAAAAAAAAAAAECcAABAnAAAAAAAAAAAAAAAAAAAAAAAAAAAAAAAAAAAAAAAAAAAAABQAAAAAAAAAwMD/AAAAAABkAAAAMgAAAAAAAABkAAAAAAAAAH9/fwAKAAAAIgAAABgAAAAAAAAAAAAAAAAAAAAAAAAAAAAAAAAAAAAkAAAAJAAAAAAAAAAHAAAAAAAAAAAAAAAAAAAAAAAAAAAAAAAAAAAAf39/ACUAAABYAAAAAAAAAAAAAAAAAAAAAAAAAAAAAAAAAAAAAAAAAAAAAAAAAAAAAAAAAAAAAAA/AAAAAAAAAKCGAQAAAAAAAAAAAAAAAAAMAAAAAQAAAAAAAAAAAAAAAAAAAB8AAABUAAAAAAAABQAAAAEAAAAAAAAAAAAAAAAAAAAAAAAAAAAAAAAAAAAAAAAAAAAAAAJ/f38AAAAAA8zMzADAwP8Af39/AAAAAAAAAAAAAAAAAAAAAAAAAAAAIQAAABgAAAAUAAAAKAUAAD8CAADYRQAAZwoAABAAAAAmAAAACAAAAAAAAAAAAAAAMAAAABQAAAAAAAAAAAD//wAAAQAAAP//AAABAA=="/>
               </a:ext>
             </a:extLst>
           </p:cNvSpPr>
@@ -3281,7 +3281,7 @@
             <a:spLocks noGrp="1" noChangeArrowheads="1"/>
             <a:extLst>
               <a:ext uri="smNativeData">
-                <pr:smNativeData xmlns="smNativeData" xmlns:pr="smNativeData" xmlns:p15="http://schemas.microsoft.com/office/powerpoint/2012/main" xmlns:p14="http://schemas.microsoft.com/office/powerpoint/2010/main" xmlns:mc="http://schemas.openxmlformats.org/markup-compatibility/2006" val="SMDATA_16_xzE7ZxMAAAAlAAAAZAAAAA0AAAAAkAAAAEgAAACQAAAASAAAAAAAAAABAAAAAAAAAAEAAABQAAAAAAAAAAAA4D8AAAAAAADgPwAAAAAAAOA/AAAAAAAA4D8AAAAAAADgPwAAAAAAAOA/AAAAAAAA4D8AAAAAAADgPwAAAAAAAOA/AAAAAAAA4D8CAAAAjAAAAAAAAAAAAAAARHLEDP///wgAAAAAAAAAAAAAAAAAAAAAAAAAAAAAAAAAAAAAZAAAAAEAAABAAAAAAAAAAAAAAAAAAAAAAAAAAAAAAAAAAAAAAAAAAAAAAAAAAAAAAAAAAAAAAAAAAAAAAAAAAAAAAAAAAAAAAAAAAAAAAAAAAAAAAAAAAAAAAAAAAAAAFAAAADwAAAAAAAAAAAAAAAAAAAkUAAAAAQAAABQAAAAUAAAAFAAAAAEAAAAAAAAAZAAAAGQAAAAAAAAAZAAAAGQAAAAVAAAAYAAAAAAAAAAAAAAADwAAACADAAAAAAAAAAAAAAEAAACgMgAAVgcAAKr4//8BAAAAf39/AAEAAABkAAAAAAAAABQAAABAHwAAAAAAACYAAAAAAAAAwOD//wAAAAAmAAAAZAAAABYAAABMAAAAAAAAAAAAAAAEAAAAAAAAAAEAAADn5uYKAAAAACgAAAAoAAAAZAAAAGQAAAAAAAAAzMzMAAAAAABQAAAAUAAAAGQAAABkAAAAAAAAABcAAAAUAAAAAAAAAAAAAAD/fwAA/38AAAAAAAAJAAAABAAAAAAAAAAeAAAAaAAAAAAAAAAAAAAAAAAAAAAAAAAAAAAAECcAABAnAAAAAAAAAAAAAAAAAAAAAAAAAAAAAAAAAAAAAAAAAAAAABQAAAAAAAAAwMD/AAAAAABkAAAAMgAAAAAAAABkAAAAAAAAAH9/fwAKAAAAIgAAABgAAAAAAAAAAAAAAAAAAAAAAAAAAAAAAAAAAAAkAAAAJAAAAAAAAAAHAAAAAAAAAAAAAAAAAAAAAAAAAAAAAAAAAAAAf39/ACUAAABYAAAAAAAAAAAAAAAAAAAAAAAAAAAAAAAAAAAAAAAAAAAAAAAAAAAAAAAAAAAAAAA/AAAAAAAAAKCGAQAAAAAAAAAAAAAAAAAMAAAAAQAAAAAAAAAAAAAAAAAAAB8AAABUAAAAAAAABQAAAAEAAAAAAAAAAAAAAAAAAAAAAAAAAAAAAAAAAAAAAAAAAAAAAAJ/f38AAAAAA8zMzADAwP8Af39/AAAAAAAAAAAAAAAAAAAAAAAAAAAAIQAAABgAAAAUAAAAKAUAABonAAAIFgAAWSkAABAAAAAmAAAACAAAAAAAAAAAAAAAMAAAABQAAAAAAAAAAAD//wAAAQAAAP//AAABAA=="/>
+                <pr:smNativeData xmlns:mc="http://schemas.openxmlformats.org/markup-compatibility/2006" xmlns:p14="http://schemas.microsoft.com/office/powerpoint/2010/main" xmlns:p15="http://schemas.microsoft.com/office/powerpoint/2012/main" xmlns:pr="smNativeData" xmlns="smNativeData" val="SMDATA_16_xzE7ZxMAAAAlAAAAZAAAAA0AAAAAkAAAAEgAAACQAAAASAAAAAAAAAABAAAAAAAAAAEAAABQAAAAAAAAAAAA4D8AAAAAAADgPwAAAAAAAOA/AAAAAAAA4D8AAAAAAADgPwAAAAAAAOA/AAAAAAAA4D8AAAAAAADgPwAAAAAAAOA/AAAAAAAA4D8CAAAAjAAAAAAAAAAAAAAARHLEDP///wgAAAAAAAAAAAAAAAAAAAAAAAAAAAAAAAAAAAAAZAAAAAEAAABAAAAAAAAAAAAAAAAAAAAAAAAAAAAAAAAAAAAAAAAAAAAAAAAAAAAAAAAAAAAAAAAAAAAAAAAAAAAAAAAAAAAAAAAAAAAAAAAAAAAAAAAAAAAAAAAAAAAAFAAAADwAAAAAAAAAAAAAAAAAAAkUAAAAAQAAABQAAAAUAAAAFAAAAAEAAAAAAAAAZAAAAGQAAAAAAAAAZAAAAGQAAAAVAAAAYAAAAAAAAAAAAAAADwAAACADAAAAAAAAAAAAAAEAAACgMgAAVgcAAKr4//8BAAAAf39/AAEAAABkAAAAAAAAABQAAABAHwAAAAAAACYAAAAAAAAAwOD//wAAAAAmAAAAZAAAABYAAABMAAAAAAAAAAAAAAAEAAAAAAAAAAEAAADn5uYKAAAAACgAAAAoAAAAZAAAAGQAAAAAAAAAzMzMAAAAAABQAAAAUAAAAGQAAABkAAAAAAAAABcAAAAUAAAAAAAAAAAAAAD/fwAA/38AAAAAAAAJAAAABAAAAAAAAAAeAAAAaAAAAAAAAAAAAAAAAAAAAAAAAAAAAAAAECcAABAnAAAAAAAAAAAAAAAAAAAAAAAAAAAAAAAAAAAAAAAAAAAAABQAAAAAAAAAwMD/AAAAAABkAAAAMgAAAAAAAABkAAAAAAAAAH9/fwAKAAAAIgAAABgAAAAAAAAAAAAAAAAAAAAAAAAAAAAAAAAAAAAkAAAAJAAAAAAAAAAHAAAAAAAAAAAAAAAAAAAAAAAAAAAAAAAAAAAAf39/ACUAAABYAAAAAAAAAAAAAAAAAAAAAAAAAAAAAAAAAAAAAAAAAAAAAAAAAAAAAAAAAAAAAAA/AAAAAAAAAKCGAQAAAAAAAAAAAAAAAAAMAAAAAQAAAAAAAAAAAAAAAAAAAB8AAABUAAAAAAAABQAAAAEAAAAAAAAAAAAAAAAAAAAAAAAAAAAAAAAAAAAAAAAAAAAAAAJ/f38AAAAAA8zMzADAwP8Af39/AAAAAAAAAAAAAAAAAAAAAAAAAAAAIQAAABgAAAAUAAAAKAUAABonAAAIFgAAWSkAABAAAAAmAAAACAAAAAAAAAAAAAAAMAAAABQAAAAAAAAAAAD//wAAAQAAAP//AAABAA=="/>
               </a:ext>
             </a:extLst>
           </p:cNvSpPr>
@@ -3311,7 +3311,7 @@
             <a:spLocks noGrp="1" noChangeArrowheads="1"/>
             <a:extLst>
               <a:ext uri="smNativeData">
-                <pr:smNativeData xmlns="smNativeData" xmlns:pr="smNativeData" xmlns:p15="http://schemas.microsoft.com/office/powerpoint/2012/main" xmlns:p14="http://schemas.microsoft.com/office/powerpoint/2010/main" xmlns:mc="http://schemas.openxmlformats.org/markup-compatibility/2006" val="SMDATA_16_xzE7ZxMAAAAlAAAAZAAAAA0AAAAAkAAAAEgAAACQAAAASAAAAAAAAAABAAAAAAAAAAEAAABQAAAAAAAAAAAA4D8AAAAAAADgPwAAAAAAAOA/AAAAAAAA4D8AAAAAAADgPwAAAAAAAOA/AAAAAAAA4D8AAAAAAADgPwAAAAAAAOA/AAAAAAAA4D8CAAAAjAAAAAAAAAAAAAAARHLEDP///wgAAAAAAAAAAAAAAAAAAAAAAAAAAAAAAAAAAAAAZAAAAAEAAABAAAAAAAAAAAAAAAAAAAAAAAAAAAAAAAAAAAAAAAAAAAAAAAAAAAAAAAAAAAAAAAAAAAAAAAAAAAAAAAAAAAAAAAAAAAAAAAAAAAAAAAAAAAAAAAAAAAAAFAAAADwAAAAAAAAAAAAAAAAAAAkUAAAAAQAAABQAAAAUAAAAFAAAAAEAAAAAAAAAZAAAAGQAAAAAAAAAZAAAAGQAAAAVAAAAYAAAAAAAAAAAAAAADwAAACADAAAAAAAAAAAAAAEAAACgMgAAVgcAAKr4//8BAAAAf39/AAEAAABkAAAAAAAAABQAAABAHwAAAAAAACYAAAAAAAAAwOD//wAAAAAmAAAAZAAAABYAAABMAAAAAAAAAAAAAAAEAAAAAAAAAAEAAADn5uYKAAAAACgAAAAoAAAAZAAAAGQAAAAAAAAAzMzMAAAAAABQAAAAUAAAAGQAAABkAAAAAAAAABcAAAAUAAAAAAAAAAAAAAD/fwAA/38AAAAAAAAJAAAABAAAAAAAAAAeAAAAaAAAAAAAAAAAAAAAAAAAAAAAAAAAAAAAECcAABAnAAAAAAAAAAAAAAAAAAAAAAAAAAAAAAAAAAAAAAAAAAAAABQAAAAAAAAAwMD/AAAAAABkAAAAMgAAAAAAAABkAAAAAAAAAH9/fwAKAAAAIgAAABgAAAAAAAAAAAAAAAAAAAAAAAAAAAAAAAAAAAAkAAAAJAAAAAAAAAAHAAAAAAAAAAAAAAAAAAAAAAAAAAAAAAAAAAAAf39/ACUAAABYAAAAAAAAAAAAAAAAAAAAAAAAAAAAAAAAAAAAAAAAAAAAAAAAAAAAAAAAAAAAAAA/AAAAAAAAAKCGAQAAAAAAAAAAAAAAAAAMAAAAAQAAAAAAAAAAAAAAAAAAAB8AAABUAAAAAAAABQAAAAEAAAAAAAAAAAAAAAAAAAAAAAAAAAAAAAAAAAAAAAAAAAAAAAJ/f38AAAAAA8zMzADAwP8Af39/AAAAAAAAAAAAAAAAAAAAAAAAAAAAIQAAABgAAAAUAAAA2BgAABonAAAoMgAAWSkAABAAAAAmAAAACAAAAAAAAAAAAAAAMAAAABQAAAAAAAAAAAD//wAAAQAAAP//AAABAA=="/>
+                <pr:smNativeData xmlns:mc="http://schemas.openxmlformats.org/markup-compatibility/2006" xmlns:p14="http://schemas.microsoft.com/office/powerpoint/2010/main" xmlns:p15="http://schemas.microsoft.com/office/powerpoint/2012/main" xmlns:pr="smNativeData" xmlns="smNativeData" val="SMDATA_16_xzE7ZxMAAAAlAAAAZAAAAA0AAAAAkAAAAEgAAACQAAAASAAAAAAAAAABAAAAAAAAAAEAAABQAAAAAAAAAAAA4D8AAAAAAADgPwAAAAAAAOA/AAAAAAAA4D8AAAAAAADgPwAAAAAAAOA/AAAAAAAA4D8AAAAAAADgPwAAAAAAAOA/AAAAAAAA4D8CAAAAjAAAAAAAAAAAAAAARHLEDP///wgAAAAAAAAAAAAAAAAAAAAAAAAAAAAAAAAAAAAAZAAAAAEAAABAAAAAAAAAAAAAAAAAAAAAAAAAAAAAAAAAAAAAAAAAAAAAAAAAAAAAAAAAAAAAAAAAAAAAAAAAAAAAAAAAAAAAAAAAAAAAAAAAAAAAAAAAAAAAAAAAAAAAFAAAADwAAAAAAAAAAAAAAAAAAAkUAAAAAQAAABQAAAAUAAAAFAAAAAEAAAAAAAAAZAAAAGQAAAAAAAAAZAAAAGQAAAAVAAAAYAAAAAAAAAAAAAAADwAAACADAAAAAAAAAAAAAAEAAACgMgAAVgcAAKr4//8BAAAAf39/AAEAAABkAAAAAAAAABQAAABAHwAAAAAAACYAAAAAAAAAwOD//wAAAAAmAAAAZAAAABYAAABMAAAAAAAAAAAAAAAEAAAAAAAAAAEAAADn5uYKAAAAACgAAAAoAAAAZAAAAGQAAAAAAAAAzMzMAAAAAABQAAAAUAAAAGQAAABkAAAAAAAAABcAAAAUAAAAAAAAAAAAAAD/fwAA/38AAAAAAAAJAAAABAAAAAAAAAAeAAAAaAAAAAAAAAAAAAAAAAAAAAAAAAAAAAAAECcAABAnAAAAAAAAAAAAAAAAAAAAAAAAAAAAAAAAAAAAAAAAAAAAABQAAAAAAAAAwMD/AAAAAABkAAAAMgAAAAAAAABkAAAAAAAAAH9/fwAKAAAAIgAAABgAAAAAAAAAAAAAAAAAAAAAAAAAAAAAAAAAAAAkAAAAJAAAAAAAAAAHAAAAAAAAAAAAAAAAAAAAAAAAAAAAAAAAAAAAf39/ACUAAABYAAAAAAAAAAAAAAAAAAAAAAAAAAAAAAAAAAAAAAAAAAAAAAAAAAAAAAAAAAAAAAA/AAAAAAAAAKCGAQAAAAAAAAAAAAAAAAAMAAAAAQAAAAAAAAAAAAAAAAAAAB8AAABUAAAAAAAABQAAAAEAAAAAAAAAAAAAAAAAAAAAAAAAAAAAAAAAAAAAAAAAAAAAAAJ/f38AAAAAA8zMzADAwP8Af39/AAAAAAAAAAAAAAAAAAAAAAAAAAAAIQAAABgAAAAUAAAA2BgAABonAAAoMgAAWSkAABAAAAAmAAAACAAAAAAAAAAAAAAAMAAAABQAAAAAAAAAAAD//wAAAQAAAP//AAABAA=="/>
               </a:ext>
             </a:extLst>
           </p:cNvSpPr>
@@ -3338,7 +3338,7 @@
             <a:spLocks noGrp="1" noChangeArrowheads="1"/>
             <a:extLst>
               <a:ext uri="smNativeData">
-                <pr:smNativeData xmlns="smNativeData" xmlns:pr="smNativeData" xmlns:p15="http://schemas.microsoft.com/office/powerpoint/2012/main" xmlns:p14="http://schemas.microsoft.com/office/powerpoint/2010/main" xmlns:mc="http://schemas.openxmlformats.org/markup-compatibility/2006" val="SMDATA_16_xzE7ZxMAAAAlAAAAZAAAAA0AAAAAkAAAAEgAAACQAAAASAAAAAAAAAABAAAAAAAAAAEAAABQAAAAAAAAAAAA4D8AAAAAAADgPwAAAAAAAOA/AAAAAAAA4D8AAAAAAADgPwAAAAAAAOA/AAAAAAAA4D8AAAAAAADgPwAAAAAAAOA/AAAAAAAA4D8CAAAAjAAAAAAAAAAAAAAARHLEDP///wgAAAAAAAAAAAAAAAAAAAAAAAAAAAAAAAAAAAAAZAAAAAEAAABAAAAAAAAAAAAAAAAAAAAAAAAAAAAAAAAAAAAAAAAAAAAAAAAAAAAAAAAAAAAAAAAAAAAAAAAAAAAAAAAAAAAAAAAAAAAAAAAAAAAAAAAAAAAAAAAAAAAAFAAAADwAAAAAAAAAAAAAAAAAAAkUAAAAAQAAABQAAAAUAAAAFAAAAAEAAAAAAAAAZAAAAGQAAAAAAAAAZAAAAGQAAAAVAAAAYAAAAAAAAAAAAAAADwAAACADAAAAAAAAAAAAAAEAAACgMgAAVgcAAKr4//8BAAAAf39/AAEAAABkAAAAAAAAABQAAABAHwAAAAAAACYAAAAAAAAAwOD//wAAAAAmAAAAZAAAABYAAABMAAAAAAAAAAAAAAAEAAAAAAAAAAEAAADn5uYKAAAAACgAAAAoAAAAZAAAAGQAAAAAAAAAzMzMAAAAAABQAAAAUAAAAGQAAABkAAAAAAAAABcAAAAUAAAAAAAAAAAAAAD/fwAA/38AAAAAAAAJAAAABAAAAAAAAAAeAAAAaAAAAAAAAAAAAAAAAAAAAAAAAAAAAAAAECcAABAnAAAAAAAAAAAAAAAAAAAAAAAAAAAAAAAAAAAAAAAAAAAAABQAAAAAAAAAwMD/AAAAAABkAAAAMgAAAAAAAABkAAAAAAAAAH9/fwAKAAAAIgAAABgAAAAAAAAAAAAAAAAAAAAAAAAAAAAAAAAAAAAkAAAAJAAAAAAAAAAHAAAAAAAAAAAAAAAAAAAAAAAAAAAAAAAAAAAAf39/ACUAAABYAAAAAAAAAAAAAAAAAAAAAAAAAAAAAAAAAAAAAAAAAAAAAAAAAAAAAAAAAAAAAAA/AAAAAAAAAKCGAQAAAAAAAAAAAAAAAAAMAAAAAQAAAAAAAAAAAAAAAAAAAB8AAABUAAAAAAAABQAAAAEAAAAAAAAAAAAAAAAAAAAAAAAAAAAAAAAAAAAAAAAAAAAAAAJ/f38AAAAAA8zMzADAwP8Af39/AAAAAAAAAAAAAAAAAAAAAAAAAAAAIQAAABgAAAAUAAAA+DQAABonAADYRQAAWSkAABAAAAAmAAAACAAAAAAAAAAAAAAAMAAAABQAAAAAAAAAAAD//wAAAQAAAP//AAABAA=="/>
+                <pr:smNativeData xmlns:mc="http://schemas.openxmlformats.org/markup-compatibility/2006" xmlns:p14="http://schemas.microsoft.com/office/powerpoint/2010/main" xmlns:p15="http://schemas.microsoft.com/office/powerpoint/2012/main" xmlns:pr="smNativeData" xmlns="smNativeData" val="SMDATA_16_xzE7ZxMAAAAlAAAAZAAAAA0AAAAAkAAAAEgAAACQAAAASAAAAAAAAAABAAAAAAAAAAEAAABQAAAAAAAAAAAA4D8AAAAAAADgPwAAAAAAAOA/AAAAAAAA4D8AAAAAAADgPwAAAAAAAOA/AAAAAAAA4D8AAAAAAADgPwAAAAAAAOA/AAAAAAAA4D8CAAAAjAAAAAAAAAAAAAAARHLEDP///wgAAAAAAAAAAAAAAAAAAAAAAAAAAAAAAAAAAAAAZAAAAAEAAABAAAAAAAAAAAAAAAAAAAAAAAAAAAAAAAAAAAAAAAAAAAAAAAAAAAAAAAAAAAAAAAAAAAAAAAAAAAAAAAAAAAAAAAAAAAAAAAAAAAAAAAAAAAAAAAAAAAAAFAAAADwAAAAAAAAAAAAAAAAAAAkUAAAAAQAAABQAAAAUAAAAFAAAAAEAAAAAAAAAZAAAAGQAAAAAAAAAZAAAAGQAAAAVAAAAYAAAAAAAAAAAAAAADwAAACADAAAAAAAAAAAAAAEAAACgMgAAVgcAAKr4//8BAAAAf39/AAEAAABkAAAAAAAAABQAAABAHwAAAAAAACYAAAAAAAAAwOD//wAAAAAmAAAAZAAAABYAAABMAAAAAAAAAAAAAAAEAAAAAAAAAAEAAADn5uYKAAAAACgAAAAoAAAAZAAAAGQAAAAAAAAAzMzMAAAAAABQAAAAUAAAAGQAAABkAAAAAAAAABcAAAAUAAAAAAAAAAAAAAD/fwAA/38AAAAAAAAJAAAABAAAAAAAAAAeAAAAaAAAAAAAAAAAAAAAAAAAAAAAAAAAAAAAECcAABAnAAAAAAAAAAAAAAAAAAAAAAAAAAAAAAAAAAAAAAAAAAAAABQAAAAAAAAAwMD/AAAAAABkAAAAMgAAAAAAAABkAAAAAAAAAH9/fwAKAAAAIgAAABgAAAAAAAAAAAAAAAAAAAAAAAAAAAAAAAAAAAAkAAAAJAAAAAAAAAAHAAAAAAAAAAAAAAAAAAAAAAAAAAAAAAAAAAAAf39/ACUAAABYAAAAAAAAAAAAAAAAAAAAAAAAAAAAAAAAAAAAAAAAAAAAAAAAAAAAAAAAAAAAAAA/AAAAAAAAAKCGAQAAAAAAAAAAAAAAAAAMAAAAAQAAAAAAAAAAAAAAAAAAAB8AAABUAAAAAAAABQAAAAEAAAAAAAAAAAAAAAAAAAAAAAAAAAAAAAAAAAAAAAAAAAAAAAJ/f38AAAAAA8zMzADAwP8Af39/AAAAAAAAAAAAAAAAAAAAAAAAAAAAIQAAABgAAAAUAAAA+DQAABonAADYRQAAWSkAABAAAAAmAAAACAAAAAAAAAAAAAAAMAAAABQAAAAAAAAAAAD//wAAAQAAAP//AAABAA=="/>
               </a:ext>
             </a:extLst>
           </p:cNvSpPr>
@@ -3394,7 +3394,7 @@
             <a:spLocks noGrp="1" noChangeArrowheads="1"/>
             <a:extLst>
               <a:ext uri="smNativeData">
-                <pr:smNativeData xmlns="smNativeData" xmlns:pr="smNativeData" xmlns:p15="http://schemas.microsoft.com/office/powerpoint/2012/main" xmlns:p14="http://schemas.microsoft.com/office/powerpoint/2010/main" xmlns:mc="http://schemas.openxmlformats.org/markup-compatibility/2006" val="SMDATA_16_xzE7ZxMAAAAlAAAAZAAAAA0AAAAAkAAAAEgAAACQAAAASAAAAAAAAAABAAAAAAAAAAEAAABQAAAAAAAAAAAA4D8AAAAAAADgPwAAAAAAAOA/AAAAAAAA4D8AAAAAAADgPwAAAAAAAOA/AAAAAAAA4D8AAAAAAADgPwAAAAAAAOA/AAAAAAAA4D8CAAAAjAAAAAAAAAAAAAAARHLEDP///wgAAAAAAAAAAAAAAAAAAAAAAAAAAAAAAAAAAAAAZAAAAAEAAABAAAAAAAAAAAAAAAAAAAAAAAAAAAAAAAAAAAAAAAAAAAAAAAAAAAAAAAAAAAAAAAAAAAAAAAAAAAAAAAAAAAAAAAAAAAAAAAAAAAAAAAAAAAAAAAAAAAAAFAAAADwAAAAAAAAAAAAAAAAAAAkUAAAAAQAAABQAAAAUAAAAFAAAAAEAAAAAAAAAZAAAAGQAAAAAAAAAZAAAAGQAAAAVAAAAYAAAAAAAAAAAAAAADwAAACADAAAAAAAAAAAAAAEAAACgMgAAVgcAAKr4//8BAAAAf39/AAEAAABkAAAAAAAAABQAAABAHwAAAAAAACYAAAAAAAAAwOD//wAAAAAmAAAAZAAAABYAAABMAAAAAAAAAAAAAAAEAAAAAAAAAAEAAADn5uYKAAAAACgAAAAoAAAAZAAAAGQAAAAAAAAAzMzMAAAAAABQAAAAUAAAAGQAAABkAAAAAAAAABcAAAAUAAAAAAAAAAAAAAD/fwAA/38AAAAAAAAJAAAABAAAAAAAAAAeAAAAaAAAAAAAAAAAAAAAAAAAAAAAAAAAAAAAECcAABAnAAAAAAAAAAAAAAAAAAAAAAAAAAAAAAAAAAAAAAAAAAAAABQAAAAAAAAAwMD/AAAAAABkAAAAMgAAAAAAAABkAAAAAAAAAH9/fwAKAAAAIgAAABgAAAAAAAAAAAAAAAAAAAAAAAAAAAAAAAAAAAAkAAAAJAAAAAAAAAAHAAAAAAAAAAAAAAAAAAAAAAAAAAAAAAAAAAAAf39/ACUAAABYAAAAAAAAAAAAAAAAAAAAAAAAAAAAAAAAAAAAAAAAAAAAAAAAAAAAAAAAAAAAAAA/AAAAAAAAAKCGAQAAAAAAAAAAAAAAAAAMAAAAAQAAAAAAAAAAAAAAAAAAAB8AAABUAAAAAAAABQAAAAEAAAAAAAAAAAAAAAAAAAAAAAAAAAAAAAAAAAAAAAAAAAAAAAJ/f38AAAAAA8zMzADAwP8Af39/AAAAAAAAAAAAAAAAAAAAAAAAAAAAIQAAABgAAAAUAAAAKAUAABonAAAIFgAAWSkAABAAAAAmAAAACAAAAAAAAAAAAAAAMAAAABQAAAAAAAAAAAD//wAAAQAAAP//AAABAA=="/>
+                <pr:smNativeData xmlns:mc="http://schemas.openxmlformats.org/markup-compatibility/2006" xmlns:p14="http://schemas.microsoft.com/office/powerpoint/2010/main" xmlns:p15="http://schemas.microsoft.com/office/powerpoint/2012/main" xmlns:pr="smNativeData" xmlns="smNativeData" val="SMDATA_16_xzE7ZxMAAAAlAAAAZAAAAA0AAAAAkAAAAEgAAACQAAAASAAAAAAAAAABAAAAAAAAAAEAAABQAAAAAAAAAAAA4D8AAAAAAADgPwAAAAAAAOA/AAAAAAAA4D8AAAAAAADgPwAAAAAAAOA/AAAAAAAA4D8AAAAAAADgPwAAAAAAAOA/AAAAAAAA4D8CAAAAjAAAAAAAAAAAAAAARHLEDP///wgAAAAAAAAAAAAAAAAAAAAAAAAAAAAAAAAAAAAAZAAAAAEAAABAAAAAAAAAAAAAAAAAAAAAAAAAAAAAAAAAAAAAAAAAAAAAAAAAAAAAAAAAAAAAAAAAAAAAAAAAAAAAAAAAAAAAAAAAAAAAAAAAAAAAAAAAAAAAAAAAAAAAFAAAADwAAAAAAAAAAAAAAAAAAAkUAAAAAQAAABQAAAAUAAAAFAAAAAEAAAAAAAAAZAAAAGQAAAAAAAAAZAAAAGQAAAAVAAAAYAAAAAAAAAAAAAAADwAAACADAAAAAAAAAAAAAAEAAACgMgAAVgcAAKr4//8BAAAAf39/AAEAAABkAAAAAAAAABQAAABAHwAAAAAAACYAAAAAAAAAwOD//wAAAAAmAAAAZAAAABYAAABMAAAAAAAAAAAAAAAEAAAAAAAAAAEAAADn5uYKAAAAACgAAAAoAAAAZAAAAGQAAAAAAAAAzMzMAAAAAABQAAAAUAAAAGQAAABkAAAAAAAAABcAAAAUAAAAAAAAAAAAAAD/fwAA/38AAAAAAAAJAAAABAAAAAAAAAAeAAAAaAAAAAAAAAAAAAAAAAAAAAAAAAAAAAAAECcAABAnAAAAAAAAAAAAAAAAAAAAAAAAAAAAAAAAAAAAAAAAAAAAABQAAAAAAAAAwMD/AAAAAABkAAAAMgAAAAAAAABkAAAAAAAAAH9/fwAKAAAAIgAAABgAAAAAAAAAAAAAAAAAAAAAAAAAAAAAAAAAAAAkAAAAJAAAAAAAAAAHAAAAAAAAAAAAAAAAAAAAAAAAAAAAAAAAAAAAf39/ACUAAABYAAAAAAAAAAAAAAAAAAAAAAAAAAAAAAAAAAAAAAAAAAAAAAAAAAAAAAAAAAAAAAA/AAAAAAAAAKCGAQAAAAAAAAAAAAAAAAAMAAAAAQAAAAAAAAAAAAAAAAAAAB8AAABUAAAAAAAABQAAAAEAAAAAAAAAAAAAAAAAAAAAAAAAAAAAAAAAAAAAAAAAAAAAAAJ/f38AAAAAA8zMzADAwP8Af39/AAAAAAAAAAAAAAAAAAAAAAAAAAAAIQAAABgAAAAUAAAAKAUAABonAAAIFgAAWSkAABAAAAAmAAAACAAAAAAAAAAAAAAAMAAAABQAAAAAAAAAAAD//wAAAQAAAP//AAABAA=="/>
               </a:ext>
             </a:extLst>
           </p:cNvSpPr>
@@ -3424,7 +3424,7 @@
             <a:spLocks noGrp="1" noChangeArrowheads="1"/>
             <a:extLst>
               <a:ext uri="smNativeData">
-                <pr:smNativeData xmlns="smNativeData" xmlns:pr="smNativeData" xmlns:p15="http://schemas.microsoft.com/office/powerpoint/2012/main" xmlns:p14="http://schemas.microsoft.com/office/powerpoint/2010/main" xmlns:mc="http://schemas.openxmlformats.org/markup-compatibility/2006" val="SMDATA_16_xzE7ZxMAAAAlAAAAZAAAAA0AAAAAkAAAAEgAAACQAAAASAAAAAAAAAABAAAAAAAAAAEAAABQAAAAAAAAAAAA4D8AAAAAAADgPwAAAAAAAOA/AAAAAAAA4D8AAAAAAADgPwAAAAAAAOA/AAAAAAAA4D8AAAAAAADgPwAAAAAAAOA/AAAAAAAA4D8CAAAAjAAAAAAAAAAAAAAARHLEDP///wgAAAAAAAAAAAAAAAAAAAAAAAAAAAAAAAAAAAAAZAAAAAEAAABAAAAAAAAAAAAAAAAAAAAAAAAAAAAAAAAAAAAAAAAAAAAAAAAAAAAAAAAAAAAAAAAAAAAAAAAAAAAAAAAAAAAAAAAAAAAAAAAAAAAAAAAAAAAAAAAAAAAAFAAAADwAAAAAAAAAAAAAAAAAAAkUAAAAAQAAABQAAAAUAAAAFAAAAAEAAAAAAAAAZAAAAGQAAAAAAAAAZAAAAGQAAAAVAAAAYAAAAAAAAAAAAAAADwAAACADAAAAAAAAAAAAAAEAAACgMgAAVgcAAKr4//8BAAAAf39/AAEAAABkAAAAAAAAABQAAABAHwAAAAAAACYAAAAAAAAAwOD//wAAAAAmAAAAZAAAABYAAABMAAAAAAAAAAAAAAAEAAAAAAAAAAEAAADn5uYKAAAAACgAAAAoAAAAZAAAAGQAAAAAAAAAzMzMAAAAAABQAAAAUAAAAGQAAABkAAAAAAAAABcAAAAUAAAAAAAAAAAAAAD/fwAA/38AAAAAAAAJAAAABAAAAAAAAAAeAAAAaAAAAAAAAAAAAAAAAAAAAAAAAAAAAAAAECcAABAnAAAAAAAAAAAAAAAAAAAAAAAAAAAAAAAAAAAAAAAAAAAAABQAAAAAAAAAwMD/AAAAAABkAAAAMgAAAAAAAABkAAAAAAAAAH9/fwAKAAAAIgAAABgAAAAAAAAAAAAAAAAAAAAAAAAAAAAAAAAAAAAkAAAAJAAAAAAAAAAHAAAAAAAAAAAAAAAAAAAAAAAAAAAAAAAAAAAAf39/ACUAAABYAAAAAAAAAAAAAAAAAAAAAAAAAAAAAAAAAAAAAAAAAAAAAAAAAAAAAAAAAAAAAAA/AAAAAAAAAKCGAQAAAAAAAAAAAAAAAAAMAAAAAQAAAAAAAAAAAAAAAAAAAB8AAABUAAAAAAAABQAAAAEAAAAAAAAAAAAAAAAAAAAAAAAAAAAAAAAAAAAAAAAAAAAAAAJ/f38AAAAAA8zMzADAwP8Af39/AAAAAAAAAAAAAAAAAAAAAAAAAAAAIQAAABgAAAAUAAAA2BgAABonAAAoMgAAWSkAABAAAAAmAAAACAAAAAAAAAAAAAAAMAAAABQAAAAAAAAAAAD//wAAAQAAAP//AAABAA=="/>
+                <pr:smNativeData xmlns:mc="http://schemas.openxmlformats.org/markup-compatibility/2006" xmlns:p14="http://schemas.microsoft.com/office/powerpoint/2010/main" xmlns:p15="http://schemas.microsoft.com/office/powerpoint/2012/main" xmlns:pr="smNativeData" xmlns="smNativeData" val="SMDATA_16_xzE7ZxMAAAAlAAAAZAAAAA0AAAAAkAAAAEgAAACQAAAASAAAAAAAAAABAAAAAAAAAAEAAABQAAAAAAAAAAAA4D8AAAAAAADgPwAAAAAAAOA/AAAAAAAA4D8AAAAAAADgPwAAAAAAAOA/AAAAAAAA4D8AAAAAAADgPwAAAAAAAOA/AAAAAAAA4D8CAAAAjAAAAAAAAAAAAAAARHLEDP///wgAAAAAAAAAAAAAAAAAAAAAAAAAAAAAAAAAAAAAZAAAAAEAAABAAAAAAAAAAAAAAAAAAAAAAAAAAAAAAAAAAAAAAAAAAAAAAAAAAAAAAAAAAAAAAAAAAAAAAAAAAAAAAAAAAAAAAAAAAAAAAAAAAAAAAAAAAAAAAAAAAAAAFAAAADwAAAAAAAAAAAAAAAAAAAkUAAAAAQAAABQAAAAUAAAAFAAAAAEAAAAAAAAAZAAAAGQAAAAAAAAAZAAAAGQAAAAVAAAAYAAAAAAAAAAAAAAADwAAACADAAAAAAAAAAAAAAEAAACgMgAAVgcAAKr4//8BAAAAf39/AAEAAABkAAAAAAAAABQAAABAHwAAAAAAACYAAAAAAAAAwOD//wAAAAAmAAAAZAAAABYAAABMAAAAAAAAAAAAAAAEAAAAAAAAAAEAAADn5uYKAAAAACgAAAAoAAAAZAAAAGQAAAAAAAAAzMzMAAAAAABQAAAAUAAAAGQAAABkAAAAAAAAABcAAAAUAAAAAAAAAAAAAAD/fwAA/38AAAAAAAAJAAAABAAAAAAAAAAeAAAAaAAAAAAAAAAAAAAAAAAAAAAAAAAAAAAAECcAABAnAAAAAAAAAAAAAAAAAAAAAAAAAAAAAAAAAAAAAAAAAAAAABQAAAAAAAAAwMD/AAAAAABkAAAAMgAAAAAAAABkAAAAAAAAAH9/fwAKAAAAIgAAABgAAAAAAAAAAAAAAAAAAAAAAAAAAAAAAAAAAAAkAAAAJAAAAAAAAAAHAAAAAAAAAAAAAAAAAAAAAAAAAAAAAAAAAAAAf39/ACUAAABYAAAAAAAAAAAAAAAAAAAAAAAAAAAAAAAAAAAAAAAAAAAAAAAAAAAAAAAAAAAAAAA/AAAAAAAAAKCGAQAAAAAAAAAAAAAAAAAMAAAAAQAAAAAAAAAAAAAAAAAAAB8AAABUAAAAAAAABQAAAAEAAAAAAAAAAAAAAAAAAAAAAAAAAAAAAAAAAAAAAAAAAAAAAAJ/f38AAAAAA8zMzADAwP8Af39/AAAAAAAAAAAAAAAAAAAAAAAAAAAAIQAAABgAAAAUAAAA2BgAABonAAAoMgAAWSkAABAAAAAmAAAACAAAAAAAAAAAAAAAMAAAABQAAAAAAAAAAAD//wAAAQAAAP//AAABAA=="/>
               </a:ext>
             </a:extLst>
           </p:cNvSpPr>
@@ -3451,7 +3451,7 @@
             <a:spLocks noGrp="1" noChangeArrowheads="1"/>
             <a:extLst>
               <a:ext uri="smNativeData">
-                <pr:smNativeData xmlns="smNativeData" xmlns:pr="smNativeData" xmlns:p15="http://schemas.microsoft.com/office/powerpoint/2012/main" xmlns:p14="http://schemas.microsoft.com/office/powerpoint/2010/main" xmlns:mc="http://schemas.openxmlformats.org/markup-compatibility/2006" val="SMDATA_16_xzE7ZxMAAAAlAAAAZAAAAA0AAAAAkAAAAEgAAACQAAAASAAAAAAAAAABAAAAAAAAAAEAAABQAAAAAAAAAAAA4D8AAAAAAADgPwAAAAAAAOA/AAAAAAAA4D8AAAAAAADgPwAAAAAAAOA/AAAAAAAA4D8AAAAAAADgPwAAAAAAAOA/AAAAAAAA4D8CAAAAjAAAAAAAAAAAAAAARHLEDP///wgAAAAAAAAAAAAAAAAAAAAAAAAAAAAAAAAAAAAAZAAAAAEAAABAAAAAAAAAAAAAAAAAAAAAAAAAAAAAAAAAAAAAAAAAAAAAAAAAAAAAAAAAAAAAAAAAAAAAAAAAAAAAAAAAAAAAAAAAAAAAAAAAAAAAAAAAAAAAAAAAAAAAFAAAADwAAAAAAAAAAAAAAAAAAAkUAAAAAQAAABQAAAAUAAAAFAAAAAEAAAAAAAAAZAAAAGQAAAAAAAAAZAAAAGQAAAAVAAAAYAAAAAAAAAAAAAAADwAAACADAAAAAAAAAAAAAAEAAACgMgAAVgcAAKr4//8BAAAAf39/AAEAAABkAAAAAAAAABQAAABAHwAAAAAAACYAAAAAAAAAwOD//wAAAAAmAAAAZAAAABYAAABMAAAAAAAAAAAAAAAEAAAAAAAAAAEAAADn5uYKAAAAACgAAAAoAAAAZAAAAGQAAAAAAAAAzMzMAAAAAABQAAAAUAAAAGQAAABkAAAAAAAAABcAAAAUAAAAAAAAAAAAAAD/fwAA/38AAAAAAAAJAAAABAAAAAAAAAAeAAAAaAAAAAAAAAAAAAAAAAAAAAAAAAAAAAAAECcAABAnAAAAAAAAAAAAAAAAAAAAAAAAAAAAAAAAAAAAAAAAAAAAABQAAAAAAAAAwMD/AAAAAABkAAAAMgAAAAAAAABkAAAAAAAAAH9/fwAKAAAAIgAAABgAAAAAAAAAAAAAAAAAAAAAAAAAAAAAAAAAAAAkAAAAJAAAAAAAAAAHAAAAAAAAAAAAAAAAAAAAAAAAAAAAAAAAAAAAf39/ACUAAABYAAAAAAAAAAAAAAAAAAAAAAAAAAAAAAAAAAAAAAAAAAAAAAAAAAAAAAAAAAAAAAA/AAAAAAAAAKCGAQAAAAAAAAAAAAAAAAAMAAAAAQAAAAAAAAAAAAAAAAAAAB8AAABUAAAAAAAABQAAAAEAAAAAAAAAAAAAAAAAAAAAAAAAAAAAAAAAAAAAAAAAAAAAAAJ/f38AAAAAA8zMzADAwP8Af39/AAAAAAAAAAAAAAAAAAAAAAAAAAAAIQAAABgAAAAUAAAA+DQAABonAADYRQAAWSkAABAAAAAmAAAACAAAAAAAAAAAAAAAMAAAABQAAAAAAAAAAAD//wAAAQAAAP//AAABAA=="/>
+                <pr:smNativeData xmlns:mc="http://schemas.openxmlformats.org/markup-compatibility/2006" xmlns:p14="http://schemas.microsoft.com/office/powerpoint/2010/main" xmlns:p15="http://schemas.microsoft.com/office/powerpoint/2012/main" xmlns:pr="smNativeData" xmlns="smNativeData" val="SMDATA_16_xzE7ZxMAAAAlAAAAZAAAAA0AAAAAkAAAAEgAAACQAAAASAAAAAAAAAABAAAAAAAAAAEAAABQAAAAAAAAAAAA4D8AAAAAAADgPwAAAAAAAOA/AAAAAAAA4D8AAAAAAADgPwAAAAAAAOA/AAAAAAAA4D8AAAAAAADgPwAAAAAAAOA/AAAAAAAA4D8CAAAAjAAAAAAAAAAAAAAARHLEDP///wgAAAAAAAAAAAAAAAAAAAAAAAAAAAAAAAAAAAAAZAAAAAEAAABAAAAAAAAAAAAAAAAAAAAAAAAAAAAAAAAAAAAAAAAAAAAAAAAAAAAAAAAAAAAAAAAAAAAAAAAAAAAAAAAAAAAAAAAAAAAAAAAAAAAAAAAAAAAAAAAAAAAAFAAAADwAAAAAAAAAAAAAAAAAAAkUAAAAAQAAABQAAAAUAAAAFAAAAAEAAAAAAAAAZAAAAGQAAAAAAAAAZAAAAGQAAAAVAAAAYAAAAAAAAAAAAAAADwAAACADAAAAAAAAAAAAAAEAAACgMgAAVgcAAKr4//8BAAAAf39/AAEAAABkAAAAAAAAABQAAABAHwAAAAAAACYAAAAAAAAAwOD//wAAAAAmAAAAZAAAABYAAABMAAAAAAAAAAAAAAAEAAAAAAAAAAEAAADn5uYKAAAAACgAAAAoAAAAZAAAAGQAAAAAAAAAzMzMAAAAAABQAAAAUAAAAGQAAABkAAAAAAAAABcAAAAUAAAAAAAAAAAAAAD/fwAA/38AAAAAAAAJAAAABAAAAAAAAAAeAAAAaAAAAAAAAAAAAAAAAAAAAAAAAAAAAAAAECcAABAnAAAAAAAAAAAAAAAAAAAAAAAAAAAAAAAAAAAAAAAAAAAAABQAAAAAAAAAwMD/AAAAAABkAAAAMgAAAAAAAABkAAAAAAAAAH9/fwAKAAAAIgAAABgAAAAAAAAAAAAAAAAAAAAAAAAAAAAAAAAAAAAkAAAAJAAAAAAAAAAHAAAAAAAAAAAAAAAAAAAAAAAAAAAAAAAAAAAAf39/ACUAAABYAAAAAAAAAAAAAAAAAAAAAAAAAAAAAAAAAAAAAAAAAAAAAAAAAAAAAAAAAAAAAAA/AAAAAAAAAKCGAQAAAAAAAAAAAAAAAAAMAAAAAQAAAAAAAAAAAAAAAAAAAB8AAABUAAAAAAAABQAAAAEAAAAAAAAAAAAAAAAAAAAAAAAAAAAAAAAAAAAAAAAAAAAAAAJ/f38AAAAAA8zMzADAwP8Af39/AAAAAAAAAAAAAAAAAAAAAAAAAAAAIQAAABgAAAAUAAAA+DQAABonAADYRQAAWSkAABAAAAAmAAAACAAAAAAAAAAAAAAAMAAAABQAAAAAAAAAAAD//wAAAQAAAP//AAABAA=="/>
               </a:ext>
             </a:extLst>
           </p:cNvSpPr>
@@ -3507,7 +3507,7 @@
             <a:spLocks noGrp="1" noChangeArrowheads="1"/>
             <a:extLst>
               <a:ext uri="smNativeData">
-                <pr:smNativeData xmlns="smNativeData" xmlns:pr="smNativeData" xmlns:p15="http://schemas.microsoft.com/office/powerpoint/2012/main" xmlns:p14="http://schemas.microsoft.com/office/powerpoint/2010/main" xmlns:mc="http://schemas.openxmlformats.org/markup-compatibility/2006" val="SMDATA_16_xzE7ZxMAAAAlAAAAZAAAAA0AAAAAkAAAAEgAAACQAAAASAAAAAAAAAACAAAAAAAAAAEAAABQAAAAAAAAAAAA4D8AAAAAAADgPwAAAAAAAOA/AAAAAAAA4D8AAAAAAADgPwAAAAAAAOA/AAAAAAAA4D8AAAAAAADgPwAAAAAAAOA/AAAAAAAA4D8CAAAAjAAAAAAAAAAAAAAARHLEDP///wgAAAAAAAAAAAAAAAAAAAAAAAAAAAAAAAAAAAAAZAAAAAEAAABAAAAAAAAAAAAAAAAAAAAAAAAAAAAAAAAAAAAAAAAAAAAAAAAAAAAAAAAAAAAAAAAAAAAAAAAAAAAAAAAAAAAAAAAAAAAAAAAAAAAAAAAAAAAAAAAAAAAAFAAAADwAAAAAAAAAAAAAAAAAAAkUAAAAAQAAABQAAAAUAAAAFAAAAAEAAAAAAAAAZAAAAGQAAAAAAAAAZAAAAGQAAAAVAAAAYAAAAAAAAAAAAAAADwAAACADAAAAAAAAAAAAAAEAAACgMgAAVgcAAKr4//8BAAAAf39/AAEAAABkAAAAAAAAABQAAABAHwAAAAAAACYAAAAAAAAAwOD//wAAAAAmAAAAZAAAABYAAABMAAAAAAAAAAAAAAAEAAAAAAAAAAEAAADn5uYKAAAAACgAAAAoAAAAZAAAAGQAAAAAAAAAzMzMAAAAAABQAAAAUAAAAGQAAABkAAAAAAAAABcAAAAUAAAAAAAAAAAAAAD/fwAA/38AAAAAAAAJAAAABAAAAAAAAAAeAAAAaAAAAAAAAAAAAAAAAAAAAAAAAAAAAAAAECcAABAnAAAAAAAAAAAAAAAAAAAAAAAAAAAAAAAAAAAAAAAAAAAAABQAAAAAAAAAwMD/AAAAAABkAAAAMgAAAAAAAABkAAAAAAAAAH9/fwAKAAAAIgAAABgAAAAAAAAAAAAAAAAAAAAAAAAAAAAAAAAAAAAkAAAAJAAAAAAAAAAHAAAAAAAAAAAAAAAAAAAAAAAAAAAAAAAAAAAAf39/ACUAAABYAAAAAAAAAAAAAAAAAAAAAAAAAAAAAAAAAAAAAAAAAAAAAAAAAAAAAAAAAAAAAAA/AAAAAAAAAKCGAQAAAAAAAAAAAAAAAAAMAAAAAQAAAAAAAAAAAAAAAAAAAB8AAABUAAAAAAAABQAAAAEAAAAAAAAAAAAAAAAAAAAAAAAAAAAAAAAAAAAAAAAAAAAAAAJ/f38AAAAAA8zMzADAwP8Af39/AAAAAAAAAAAAAAAAAAAAAAAAAAAAIQAAABgAAAAUAAAAKwUAANACAABbHQAAqAwAABAAAAAmAAAACAAAAIGAAAAAAAAAMAAAABQAAAAAAAAAAAD//wAAAQAAAP//AAABAA=="/>
+                <pr:smNativeData xmlns:mc="http://schemas.openxmlformats.org/markup-compatibility/2006" xmlns:p14="http://schemas.microsoft.com/office/powerpoint/2010/main" xmlns:p15="http://schemas.microsoft.com/office/powerpoint/2012/main" xmlns:pr="smNativeData" xmlns="smNativeData" val="SMDATA_16_xzE7ZxMAAAAlAAAAZAAAAA0AAAAAkAAAAEgAAACQAAAASAAAAAAAAAACAAAAAAAAAAEAAABQAAAAAAAAAAAA4D8AAAAAAADgPwAAAAAAAOA/AAAAAAAA4D8AAAAAAADgPwAAAAAAAOA/AAAAAAAA4D8AAAAAAADgPwAAAAAAAOA/AAAAAAAA4D8CAAAAjAAAAAAAAAAAAAAARHLEDP///wgAAAAAAAAAAAAAAAAAAAAAAAAAAAAAAAAAAAAAZAAAAAEAAABAAAAAAAAAAAAAAAAAAAAAAAAAAAAAAAAAAAAAAAAAAAAAAAAAAAAAAAAAAAAAAAAAAAAAAAAAAAAAAAAAAAAAAAAAAAAAAAAAAAAAAAAAAAAAAAAAAAAAFAAAADwAAAAAAAAAAAAAAAAAAAkUAAAAAQAAABQAAAAUAAAAFAAAAAEAAAAAAAAAZAAAAGQAAAAAAAAAZAAAAGQAAAAVAAAAYAAAAAAAAAAAAAAADwAAACADAAAAAAAAAAAAAAEAAACgMgAAVgcAAKr4//8BAAAAf39/AAEAAABkAAAAAAAAABQAAABAHwAAAAAAACYAAAAAAAAAwOD//wAAAAAmAAAAZAAAABYAAABMAAAAAAAAAAAAAAAEAAAAAAAAAAEAAADn5uYKAAAAACgAAAAoAAAAZAAAAGQAAAAAAAAAzMzMAAAAAABQAAAAUAAAAGQAAABkAAAAAAAAABcAAAAUAAAAAAAAAAAAAAD/fwAA/38AAAAAAAAJAAAABAAAAAAAAAAeAAAAaAAAAAAAAAAAAAAAAAAAAAAAAAAAAAAAECcAABAnAAAAAAAAAAAAAAAAAAAAAAAAAAAAAAAAAAAAAAAAAAAAABQAAAAAAAAAwMD/AAAAAABkAAAAMgAAAAAAAABkAAAAAAAAAH9/fwAKAAAAIgAAABgAAAAAAAAAAAAAAAAAAAAAAAAAAAAAAAAAAAAkAAAAJAAAAAAAAAAHAAAAAAAAAAAAAAAAAAAAAAAAAAAAAAAAAAAAf39/ACUAAABYAAAAAAAAAAAAAAAAAAAAAAAAAAAAAAAAAAAAAAAAAAAAAAAAAAAAAAAAAAAAAAA/AAAAAAAAAKCGAQAAAAAAAAAAAAAAAAAMAAAAAQAAAAAAAAAAAAAAAAAAAB8AAABUAAAAAAAABQAAAAEAAAAAAAAAAAAAAAAAAAAAAAAAAAAAAAAAAAAAAAAAAAAAAAJ/f38AAAAAA8zMzADAwP8Af39/AAAAAAAAAAAAAAAAAAAAAAAAAAAAIQAAABgAAAAUAAAAKwUAANACAABbHQAAqAwAABAAAAAmAAAACAAAAIGAAAAAAAAAMAAAABQAAAAAAAAAAAD//wAAAQAAAP//AAABAA=="/>
               </a:ext>
             </a:extLst>
           </p:cNvSpPr>
@@ -3573,7 +3573,7 @@
             <a:spLocks noGrp="1" noChangeArrowheads="1"/>
             <a:extLst>
               <a:ext uri="smNativeData">
-                <pr:smNativeData xmlns="smNativeData" xmlns:pr="smNativeData" xmlns:p15="http://schemas.microsoft.com/office/powerpoint/2012/main" xmlns:p14="http://schemas.microsoft.com/office/powerpoint/2010/main" xmlns:mc="http://schemas.openxmlformats.org/markup-compatibility/2006" val="SMDATA_16_xzE7ZxMAAAAlAAAAZAAAAA0AAAAAkAAAAEgAAACQAAAASAAAAAAAAAAAAAAAAAAAAAEAAABQAAAAAAAAAAAA4D8AAAAAAADgPwAAAAAAAOA/AAAAAAAA4D8AAAAAAADgPwAAAAAAAOA/AAAAAAAA4D8AAAAAAADgPwAAAAAAAOA/AAAAAAAA4D8CAAAAjAAAAAAAAAAAAAAARHLEDP///wgAAAAAAAAAAAAAAAAAAAAAAAAAAAAAAAAAAAAAZAAAAAEAAABAAAAAAAAAAAAAAAAAAAAAAAAAAAAAAAAAAAAAAAAAAAAAAAAAAAAAAAAAAAAAAAAAAAAAAAAAAAAAAAAAAAAAAAAAAAAAAAAAAAAAAAAAAAAAAAAAAAAAFAAAADwAAAAAAAAAAAAAAAAAAAkUAAAAAQAAABQAAAAUAAAAFAAAAAEAAAAAAAAAZAAAAGQAAAAAAAAAZAAAAGQAAAAVAAAAYAAAAAAAAAAAAAAADwAAACADAAAAAAAAAAAAAAEAAACgMgAAVgcAAKr4//8BAAAAf39/AAEAAABkAAAAAAAAABQAAABAHwAAAAAAACYAAAAAAAAAwOD//wAAAAAmAAAAZAAAABYAAABMAAAAAAAAAAAAAAAEAAAAAAAAAAEAAADn5uYKAAAAACgAAAAoAAAAZAAAAGQAAAAAAAAAzMzMAAAAAABQAAAAUAAAAGQAAABkAAAAAAAAABcAAAAUAAAAAAAAAAAAAAD/fwAA/38AAAAAAAAJAAAABAAAAAAAAAAeAAAAaAAAAAAAAAAAAAAAAAAAAAAAAAAAAAAAECcAABAnAAAAAAAAAAAAAAAAAAAAAAAAAAAAAAAAAAAAAAAAAAAAABQAAAAAAAAAwMD/AAAAAABkAAAAMgAAAAAAAABkAAAAAAAAAH9/fwAKAAAAIgAAABgAAAAAAAAAAAAAAAAAAAAAAAAAAAAAAAAAAAAkAAAAJAAAAAAAAAAHAAAAAAAAAAAAAAAAAAAAAAAAAAAAAAAAAAAAf39/ACUAAABYAAAAAAAAAAAAAAAAAAAAAAAAAAAAAAAAAAAAAAAAAAAAAAAAAAAAAAAAAAAAAAA/AAAAAAAAAKCGAQAAAAAAAAAAAAAAAAAMAAAAAQAAAAAAAAAAAAAAAAAAAB8AAABUAAAAAAAABQAAAAEAAAAAAAAAAAAAAAAAAAAAAAAAAAAAAAAAAAAAAAAAAAAAAAJ/f38AAAAAA8zMzADAwP8Af39/AAAAAAAAAAAAAAAAAAAAAAAAAAAAIQAAABgAAAAUAAAA4x8AABMGAADbRQAADiQAABAAAAAmAAAACAAAAAGAAAAAAAAAMAAAABQAAAAAAAAAAAD//wAAAQAAAP//AAABAA=="/>
+                <pr:smNativeData xmlns:mc="http://schemas.openxmlformats.org/markup-compatibility/2006" xmlns:p14="http://schemas.microsoft.com/office/powerpoint/2010/main" xmlns:p15="http://schemas.microsoft.com/office/powerpoint/2012/main" xmlns:pr="smNativeData" xmlns="smNativeData" val="SMDATA_16_xzE7ZxMAAAAlAAAAZAAAAA0AAAAAkAAAAEgAAACQAAAASAAAAAAAAAAAAAAAAAAAAAEAAABQAAAAAAAAAAAA4D8AAAAAAADgPwAAAAAAAOA/AAAAAAAA4D8AAAAAAADgPwAAAAAAAOA/AAAAAAAA4D8AAAAAAADgPwAAAAAAAOA/AAAAAAAA4D8CAAAAjAAAAAAAAAAAAAAARHLEDP///wgAAAAAAAAAAAAAAAAAAAAAAAAAAAAAAAAAAAAAZAAAAAEAAABAAAAAAAAAAAAAAAAAAAAAAAAAAAAAAAAAAAAAAAAAAAAAAAAAAAAAAAAAAAAAAAAAAAAAAAAAAAAAAAAAAAAAAAAAAAAAAAAAAAAAAAAAAAAAAAAAAAAAFAAAADwAAAAAAAAAAAAAAAAAAAkUAAAAAQAAABQAAAAUAAAAFAAAAAEAAAAAAAAAZAAAAGQAAAAAAAAAZAAAAGQAAAAVAAAAYAAAAAAAAAAAAAAADwAAACADAAAAAAAAAAAAAAEAAACgMgAAVgcAAKr4//8BAAAAf39/AAEAAABkAAAAAAAAABQAAABAHwAAAAAAACYAAAAAAAAAwOD//wAAAAAmAAAAZAAAABYAAABMAAAAAAAAAAAAAAAEAAAAAAAAAAEAAADn5uYKAAAAACgAAAAoAAAAZAAAAGQAAAAAAAAAzMzMAAAAAABQAAAAUAAAAGQAAABkAAAAAAAAABcAAAAUAAAAAAAAAAAAAAD/fwAA/38AAAAAAAAJAAAABAAAAAAAAAAeAAAAaAAAAAAAAAAAAAAAAAAAAAAAAAAAAAAAECcAABAnAAAAAAAAAAAAAAAAAAAAAAAAAAAAAAAAAAAAAAAAAAAAABQAAAAAAAAAwMD/AAAAAABkAAAAMgAAAAAAAABkAAAAAAAAAH9/fwAKAAAAIgAAABgAAAAAAAAAAAAAAAAAAAAAAAAAAAAAAAAAAAAkAAAAJAAAAAAAAAAHAAAAAAAAAAAAAAAAAAAAAAAAAAAAAAAAAAAAf39/ACUAAABYAAAAAAAAAAAAAAAAAAAAAAAAAAAAAAAAAAAAAAAAAAAAAAAAAAAAAAAAAAAAAAA/AAAAAAAAAKCGAQAAAAAAAAAAAAAAAAAMAAAAAQAAAAAAAAAAAAAAAAAAAB8AAABUAAAAAAAABQAAAAEAAAAAAAAAAAAAAAAAAAAAAAAAAAAAAAAAAAAAAAAAAAAAAAJ/f38AAAAAA8zMzADAwP8Af39/AAAAAAAAAAAAAAAAAAAAAAAAAAAAIQAAABgAAAAUAAAA4x8AABMGAADbRQAADiQAABAAAAAmAAAACAAAAAGAAAAAAAAAMAAAABQAAAAAAAAAAAD//wAAAQAAAP//AAABAA=="/>
               </a:ext>
             </a:extLst>
           </p:cNvSpPr>
@@ -3667,7 +3667,7 @@
             <a:spLocks noGrp="1" noChangeArrowheads="1"/>
             <a:extLst>
               <a:ext uri="smNativeData">
-                <pr:smNativeData xmlns="smNativeData" xmlns:pr="smNativeData" xmlns:p15="http://schemas.microsoft.com/office/powerpoint/2012/main" xmlns:p14="http://schemas.microsoft.com/office/powerpoint/2010/main" xmlns:mc="http://schemas.openxmlformats.org/markup-compatibility/2006" val="SMDATA_16_xzE7ZxMAAAAlAAAAZAAAAA0AAAAAkAAAAEgAAACQAAAASAAAAAAAAAAAAAAAAAAAAAEAAABQAAAAAAAAAAAA4D8AAAAAAADgPwAAAAAAAOA/AAAAAAAA4D8AAAAAAADgPwAAAAAAAOA/AAAAAAAA4D8AAAAAAADgPwAAAAAAAOA/AAAAAAAA4D8CAAAAjAAAAAAAAAAAAAAARHLEDP///wgAAAAAAAAAAAAAAAAAAAAAAAAAAAAAAAAAAAAAZAAAAAEAAABAAAAAAAAAAAAAAAAAAAAAAAAAAAAAAAAAAAAAAAAAAAAAAAAAAAAAAAAAAAAAAAAAAAAAAAAAAAAAAAAAAAAAAAAAAAAAAAAAAAAAAAAAAAAAAAAAAAAAFAAAADwAAAAAAAAAAAAAAAAAAAkUAAAAAQAAABQAAAAUAAAAFAAAAAEAAAAAAAAAZAAAAGQAAAAAAAAAZAAAAGQAAAAVAAAAYAAAAAAAAAAAAAAADwAAACADAAAAAAAAAAAAAAEAAACgMgAAVgcAAKr4//8BAAAAf39/AAEAAABkAAAAAAAAABQAAABAHwAAAAAAACYAAAAAAAAAwOD//wAAAAAmAAAAZAAAABYAAABMAAAAAAAAAAAAAAAEAAAAAAAAAAEAAADn5uYKAAAAACgAAAAoAAAAZAAAAGQAAAAAAAAAzMzMAAAAAABQAAAAUAAAAGQAAABkAAAAAAAAABcAAAAUAAAAAAAAAAAAAAD/fwAA/38AAAAAAAAJAAAABAAAAAAAAAAeAAAAaAAAAAAAAAAAAAAAAAAAAAAAAAAAAAAAECcAABAnAAAAAAAAAAAAAAAAAAAAAAAAAAAAAAAAAAAAAAAAAAAAABQAAAAAAAAAwMD/AAAAAABkAAAAMgAAAAAAAABkAAAAAAAAAH9/fwAKAAAAIgAAABgAAAAAAAAAAAAAAAAAAAAAAAAAAAAAAAAAAAAkAAAAJAAAAAAAAAAHAAAAAAAAAAAAAAAAAAAAAAAAAAAAAAAAAAAAf39/ACUAAABYAAAAAAAAAAAAAAAAAAAAAAAAAAAAAAAAAAAAAAAAAAAAAAAAAAAAAAAAAAAAAAA/AAAAAAAAAKCGAQAAAAAAAAAAAAAAAAAMAAAAAQAAAAAAAAAAAAAAAAAAAB8AAABUAAAAAAAABQAAAAEAAAAAAAAAAAAAAAAAAAAAAAAAAAAAAAAAAAAAAAAAAAAAAAJ/f38AAAAAA8zMzADAwP8Af39/AAAAAAAAAAAAAAAAAAAAAAAAAAAAIQAAABgAAAAUAAAAKwUAAKgMAABbHQAAGyQAABAAAAAmAAAACAAAAAGAAAAAAAAAMAAAABQAAAAAAAAAAAD//wAAAQAAAP//AAABAA=="/>
+                <pr:smNativeData xmlns:mc="http://schemas.openxmlformats.org/markup-compatibility/2006" xmlns:p14="http://schemas.microsoft.com/office/powerpoint/2010/main" xmlns:p15="http://schemas.microsoft.com/office/powerpoint/2012/main" xmlns:pr="smNativeData" xmlns="smNativeData" val="SMDATA_16_xzE7ZxMAAAAlAAAAZAAAAA0AAAAAkAAAAEgAAACQAAAASAAAAAAAAAAAAAAAAAAAAAEAAABQAAAAAAAAAAAA4D8AAAAAAADgPwAAAAAAAOA/AAAAAAAA4D8AAAAAAADgPwAAAAAAAOA/AAAAAAAA4D8AAAAAAADgPwAAAAAAAOA/AAAAAAAA4D8CAAAAjAAAAAAAAAAAAAAARHLEDP///wgAAAAAAAAAAAAAAAAAAAAAAAAAAAAAAAAAAAAAZAAAAAEAAABAAAAAAAAAAAAAAAAAAAAAAAAAAAAAAAAAAAAAAAAAAAAAAAAAAAAAAAAAAAAAAAAAAAAAAAAAAAAAAAAAAAAAAAAAAAAAAAAAAAAAAAAAAAAAAAAAAAAAFAAAADwAAAAAAAAAAAAAAAAAAAkUAAAAAQAAABQAAAAUAAAAFAAAAAEAAAAAAAAAZAAAAGQAAAAAAAAAZAAAAGQAAAAVAAAAYAAAAAAAAAAAAAAADwAAACADAAAAAAAAAAAAAAEAAACgMgAAVgcAAKr4//8BAAAAf39/AAEAAABkAAAAAAAAABQAAABAHwAAAAAAACYAAAAAAAAAwOD//wAAAAAmAAAAZAAAABYAAABMAAAAAAAAAAAAAAAEAAAAAAAAAAEAAADn5uYKAAAAACgAAAAoAAAAZAAAAGQAAAAAAAAAzMzMAAAAAABQAAAAUAAAAGQAAABkAAAAAAAAABcAAAAUAAAAAAAAAAAAAAD/fwAA/38AAAAAAAAJAAAABAAAAAAAAAAeAAAAaAAAAAAAAAAAAAAAAAAAAAAAAAAAAAAAECcAABAnAAAAAAAAAAAAAAAAAAAAAAAAAAAAAAAAAAAAAAAAAAAAABQAAAAAAAAAwMD/AAAAAABkAAAAMgAAAAAAAABkAAAAAAAAAH9/fwAKAAAAIgAAABgAAAAAAAAAAAAAAAAAAAAAAAAAAAAAAAAAAAAkAAAAJAAAAAAAAAAHAAAAAAAAAAAAAAAAAAAAAAAAAAAAAAAAAAAAf39/ACUAAABYAAAAAAAAAAAAAAAAAAAAAAAAAAAAAAAAAAAAAAAAAAAAAAAAAAAAAAAAAAAAAAA/AAAAAAAAAKCGAQAAAAAAAAAAAAAAAAAMAAAAAQAAAAAAAAAAAAAAAAAAAB8AAABUAAAAAAAABQAAAAEAAAAAAAAAAAAAAAAAAAAAAAAAAAAAAAAAAAAAAAAAAAAAAAJ/f38AAAAAA8zMzADAwP8Af39/AAAAAAAAAAAAAAAAAAAAAAAAAAAAIQAAABgAAAAUAAAAKwUAAKgMAABbHQAAGyQAABAAAAAmAAAACAAAAAGAAAAAAAAAMAAAABQAAAAAAAAAAAD//wAAAQAAAP//AAABAA=="/>
               </a:ext>
             </a:extLst>
           </p:cNvSpPr>
@@ -3738,7 +3738,7 @@
             <a:spLocks noGrp="1" noChangeArrowheads="1"/>
             <a:extLst>
               <a:ext uri="smNativeData">
-                <pr:smNativeData xmlns="smNativeData" xmlns:pr="smNativeData" xmlns:p15="http://schemas.microsoft.com/office/powerpoint/2012/main" xmlns:p14="http://schemas.microsoft.com/office/powerpoint/2010/main" xmlns:mc="http://schemas.openxmlformats.org/markup-compatibility/2006" val="SMDATA_16_xzE7ZxMAAAAlAAAAZAAAAA0AAAAAkAAAAEgAAACQAAAASAAAAAAAAAABAAAAAAAAAAEAAABQAAAAAAAAAAAA4D8AAAAAAADgPwAAAAAAAOA/AAAAAAAA4D8AAAAAAADgPwAAAAAAAOA/AAAAAAAA4D8AAAAAAADgPwAAAAAAAOA/AAAAAAAA4D8CAAAAjAAAAAAAAAAAAAAARHLEDP///wgAAAAAAAAAAAAAAAAAAAAAAAAAAAAAAAAAAAAAZAAAAAEAAABAAAAAAAAAAAAAAAAAAAAAAAAAAAAAAAAAAAAAAAAAAAAAAAAAAAAAAAAAAAAAAAAAAAAAAAAAAAAAAAAAAAAAAAAAAAAAAAAAAAAAAAAAAAAAAAAAAAAAFAAAADwAAAAAAAAAAAAAAAAAAAkUAAAAAQAAABQAAAAUAAAAFAAAAAEAAAAAAAAAZAAAAGQAAAAAAAAAZAAAAGQAAAAVAAAAYAAAAAAAAAAAAAAADwAAACADAAAAAAAAAAAAAAEAAACgMgAAVgcAAKr4//8BAAAAf39/AAEAAABkAAAAAAAAABQAAABAHwAAAAAAACYAAAAAAAAAwOD//wAAAAAmAAAAZAAAABYAAABMAAAAAAAAAAAAAAAEAAAAAAAAAAEAAADn5uYKAAAAACgAAAAoAAAAZAAAAGQAAAAAAAAAzMzMAAAAAABQAAAAUAAAAGQAAABkAAAAAAAAABcAAAAUAAAAAAAAAAAAAAD/fwAA/38AAAAAAAAJAAAABAAAAAAAAAAeAAAAaAAAAAAAAAAAAAAAAAAAAAAAAAAAAAAAECcAABAnAAAAAAAAAAAAAAAAAAAAAAAAAAAAAAAAAAAAAAAAAAAAABQAAAAAAAAAwMD/AAAAAABkAAAAMgAAAAAAAABkAAAAAAAAAH9/fwAKAAAAIgAAABgAAAAAAAAAAAAAAAAAAAAAAAAAAAAAAAAAAAAkAAAAJAAAAAAAAAAHAAAAAAAAAAAAAAAAAAAAAAAAAAAAAAAAAAAAf39/ACUAAABYAAAAAAAAAAAAAAAAAAAAAAAAAAAAAAAAAAAAAAAAAAAAAAAAAAAAAAAAAAAAAAA/AAAAAAAAAKCGAQAAAAAAAAAAAAAAAAAMAAAAAQAAAAAAAAAAAAAAAAAAAB8AAABUAAAAAAAABQAAAAEAAAAAAAAAAAAAAAAAAAAAAAAAAAAAAAAAAAAAAAAAAAAAAAJ/f38AAAAAA8zMzADAwP8Af39/AAAAAAAAAAAAAAAAAAAAAAAAAAAAIQAAABgAAAAUAAAAKAUAABonAAAIFgAAWSkAABAAAAAmAAAACAAAAAAAAAAAAAAAMAAAABQAAAAAAAAAAAD//wAAAQAAAP//AAABAA=="/>
+                <pr:smNativeData xmlns:mc="http://schemas.openxmlformats.org/markup-compatibility/2006" xmlns:p14="http://schemas.microsoft.com/office/powerpoint/2010/main" xmlns:p15="http://schemas.microsoft.com/office/powerpoint/2012/main" xmlns:pr="smNativeData" xmlns="smNativeData" val="SMDATA_16_xzE7ZxMAAAAlAAAAZAAAAA0AAAAAkAAAAEgAAACQAAAASAAAAAAAAAABAAAAAAAAAAEAAABQAAAAAAAAAAAA4D8AAAAAAADgPwAAAAAAAOA/AAAAAAAA4D8AAAAAAADgPwAAAAAAAOA/AAAAAAAA4D8AAAAAAADgPwAAAAAAAOA/AAAAAAAA4D8CAAAAjAAAAAAAAAAAAAAARHLEDP///wgAAAAAAAAAAAAAAAAAAAAAAAAAAAAAAAAAAAAAZAAAAAEAAABAAAAAAAAAAAAAAAAAAAAAAAAAAAAAAAAAAAAAAAAAAAAAAAAAAAAAAAAAAAAAAAAAAAAAAAAAAAAAAAAAAAAAAAAAAAAAAAAAAAAAAAAAAAAAAAAAAAAAFAAAADwAAAAAAAAAAAAAAAAAAAkUAAAAAQAAABQAAAAUAAAAFAAAAAEAAAAAAAAAZAAAAGQAAAAAAAAAZAAAAGQAAAAVAAAAYAAAAAAAAAAAAAAADwAAACADAAAAAAAAAAAAAAEAAACgMgAAVgcAAKr4//8BAAAAf39/AAEAAABkAAAAAAAAABQAAABAHwAAAAAAACYAAAAAAAAAwOD//wAAAAAmAAAAZAAAABYAAABMAAAAAAAAAAAAAAAEAAAAAAAAAAEAAADn5uYKAAAAACgAAAAoAAAAZAAAAGQAAAAAAAAAzMzMAAAAAABQAAAAUAAAAGQAAABkAAAAAAAAABcAAAAUAAAAAAAAAAAAAAD/fwAA/38AAAAAAAAJAAAABAAAAAAAAAAeAAAAaAAAAAAAAAAAAAAAAAAAAAAAAAAAAAAAECcAABAnAAAAAAAAAAAAAAAAAAAAAAAAAAAAAAAAAAAAAAAAAAAAABQAAAAAAAAAwMD/AAAAAABkAAAAMgAAAAAAAABkAAAAAAAAAH9/fwAKAAAAIgAAABgAAAAAAAAAAAAAAAAAAAAAAAAAAAAAAAAAAAAkAAAAJAAAAAAAAAAHAAAAAAAAAAAAAAAAAAAAAAAAAAAAAAAAAAAAf39/ACUAAABYAAAAAAAAAAAAAAAAAAAAAAAAAAAAAAAAAAAAAAAAAAAAAAAAAAAAAAAAAAAAAAA/AAAAAAAAAKCGAQAAAAAAAAAAAAAAAAAMAAAAAQAAAAAAAAAAAAAAAAAAAB8AAABUAAAAAAAABQAAAAEAAAAAAAAAAAAAAAAAAAAAAAAAAAAAAAAAAAAAAAAAAAAAAAJ/f38AAAAAA8zMzADAwP8Af39/AAAAAAAAAAAAAAAAAAAAAAAAAAAAIQAAABgAAAAUAAAAKAUAABonAAAIFgAAWSkAABAAAAAmAAAACAAAAAAAAAAAAAAAMAAAABQAAAAAAAAAAAD//wAAAQAAAP//AAABAA=="/>
               </a:ext>
             </a:extLst>
           </p:cNvSpPr>
@@ -3768,7 +3768,7 @@
             <a:spLocks noGrp="1" noChangeArrowheads="1"/>
             <a:extLst>
               <a:ext uri="smNativeData">
-                <pr:smNativeData xmlns="smNativeData" xmlns:pr="smNativeData" xmlns:p15="http://schemas.microsoft.com/office/powerpoint/2012/main" xmlns:p14="http://schemas.microsoft.com/office/powerpoint/2010/main" xmlns:mc="http://schemas.openxmlformats.org/markup-compatibility/2006" val="SMDATA_16_xzE7ZxMAAAAlAAAAZAAAAA0AAAAAkAAAAEgAAACQAAAASAAAAAAAAAABAAAAAAAAAAEAAABQAAAAAAAAAAAA4D8AAAAAAADgPwAAAAAAAOA/AAAAAAAA4D8AAAAAAADgPwAAAAAAAOA/AAAAAAAA4D8AAAAAAADgPwAAAAAAAOA/AAAAAAAA4D8CAAAAjAAAAAAAAAAAAAAARHLEDP///wgAAAAAAAAAAAAAAAAAAAAAAAAAAAAAAAAAAAAAZAAAAAEAAABAAAAAAAAAAAAAAAAAAAAAAAAAAAAAAAAAAAAAAAAAAAAAAAAAAAAAAAAAAAAAAAAAAAAAAAAAAAAAAAAAAAAAAAAAAAAAAAAAAAAAAAAAAAAAAAAAAAAAFAAAADwAAAAAAAAAAAAAAAAAAAkUAAAAAQAAABQAAAAUAAAAFAAAAAEAAAAAAAAAZAAAAGQAAAAAAAAAZAAAAGQAAAAVAAAAYAAAAAAAAAAAAAAADwAAACADAAAAAAAAAAAAAAEAAACgMgAAVgcAAKr4//8BAAAAf39/AAEAAABkAAAAAAAAABQAAABAHwAAAAAAACYAAAAAAAAAwOD//wAAAAAmAAAAZAAAABYAAABMAAAAAAAAAAAAAAAEAAAAAAAAAAEAAADn5uYKAAAAACgAAAAoAAAAZAAAAGQAAAAAAAAAzMzMAAAAAABQAAAAUAAAAGQAAABkAAAAAAAAABcAAAAUAAAAAAAAAAAAAAD/fwAA/38AAAAAAAAJAAAABAAAAAAAAAAeAAAAaAAAAAAAAAAAAAAAAAAAAAAAAAAAAAAAECcAABAnAAAAAAAAAAAAAAAAAAAAAAAAAAAAAAAAAAAAAAAAAAAAABQAAAAAAAAAwMD/AAAAAABkAAAAMgAAAAAAAABkAAAAAAAAAH9/fwAKAAAAIgAAABgAAAAAAAAAAAAAAAAAAAAAAAAAAAAAAAAAAAAkAAAAJAAAAAAAAAAHAAAAAAAAAAAAAAAAAAAAAAAAAAAAAAAAAAAAf39/ACUAAABYAAAAAAAAAAAAAAAAAAAAAAAAAAAAAAAAAAAAAAAAAAAAAAAAAAAAAAAAAAAAAAA/AAAAAAAAAKCGAQAAAAAAAAAAAAAAAAAMAAAAAQAAAAAAAAAAAAAAAAAAAB8AAABUAAAAAAAABQAAAAEAAAAAAAAAAAAAAAAAAAAAAAAAAAAAAAAAAAAAAAAAAAAAAAJ/f38AAAAAA8zMzADAwP8Af39/AAAAAAAAAAAAAAAAAAAAAAAAAAAAIQAAABgAAAAUAAAA2BgAABonAAAoMgAAWSkAABAAAAAmAAAACAAAAAAAAAAAAAAAMAAAABQAAAAAAAAAAAD//wAAAQAAAP//AAABAA=="/>
+                <pr:smNativeData xmlns:mc="http://schemas.openxmlformats.org/markup-compatibility/2006" xmlns:p14="http://schemas.microsoft.com/office/powerpoint/2010/main" xmlns:p15="http://schemas.microsoft.com/office/powerpoint/2012/main" xmlns:pr="smNativeData" xmlns="smNativeData" val="SMDATA_16_xzE7ZxMAAAAlAAAAZAAAAA0AAAAAkAAAAEgAAACQAAAASAAAAAAAAAABAAAAAAAAAAEAAABQAAAAAAAAAAAA4D8AAAAAAADgPwAAAAAAAOA/AAAAAAAA4D8AAAAAAADgPwAAAAAAAOA/AAAAAAAA4D8AAAAAAADgPwAAAAAAAOA/AAAAAAAA4D8CAAAAjAAAAAAAAAAAAAAARHLEDP///wgAAAAAAAAAAAAAAAAAAAAAAAAAAAAAAAAAAAAAZAAAAAEAAABAAAAAAAAAAAAAAAAAAAAAAAAAAAAAAAAAAAAAAAAAAAAAAAAAAAAAAAAAAAAAAAAAAAAAAAAAAAAAAAAAAAAAAAAAAAAAAAAAAAAAAAAAAAAAAAAAAAAAFAAAADwAAAAAAAAAAAAAAAAAAAkUAAAAAQAAABQAAAAUAAAAFAAAAAEAAAAAAAAAZAAAAGQAAAAAAAAAZAAAAGQAAAAVAAAAYAAAAAAAAAAAAAAADwAAACADAAAAAAAAAAAAAAEAAACgMgAAVgcAAKr4//8BAAAAf39/AAEAAABkAAAAAAAAABQAAABAHwAAAAAAACYAAAAAAAAAwOD//wAAAAAmAAAAZAAAABYAAABMAAAAAAAAAAAAAAAEAAAAAAAAAAEAAADn5uYKAAAAACgAAAAoAAAAZAAAAGQAAAAAAAAAzMzMAAAAAABQAAAAUAAAAGQAAABkAAAAAAAAABcAAAAUAAAAAAAAAAAAAAD/fwAA/38AAAAAAAAJAAAABAAAAAAAAAAeAAAAaAAAAAAAAAAAAAAAAAAAAAAAAAAAAAAAECcAABAnAAAAAAAAAAAAAAAAAAAAAAAAAAAAAAAAAAAAAAAAAAAAABQAAAAAAAAAwMD/AAAAAABkAAAAMgAAAAAAAABkAAAAAAAAAH9/fwAKAAAAIgAAABgAAAAAAAAAAAAAAAAAAAAAAAAAAAAAAAAAAAAkAAAAJAAAAAAAAAAHAAAAAAAAAAAAAAAAAAAAAAAAAAAAAAAAAAAAf39/ACUAAABYAAAAAAAAAAAAAAAAAAAAAAAAAAAAAAAAAAAAAAAAAAAAAAAAAAAAAAAAAAAAAAA/AAAAAAAAAKCGAQAAAAAAAAAAAAAAAAAMAAAAAQAAAAAAAAAAAAAAAAAAAB8AAABUAAAAAAAABQAAAAEAAAAAAAAAAAAAAAAAAAAAAAAAAAAAAAAAAAAAAAAAAAAAAAJ/f38AAAAAA8zMzADAwP8Af39/AAAAAAAAAAAAAAAAAAAAAAAAAAAAIQAAABgAAAAUAAAA2BgAABonAAAoMgAAWSkAABAAAAAmAAAACAAAAAAAAAAAAAAAMAAAABQAAAAAAAAAAAD//wAAAQAAAP//AAABAA=="/>
               </a:ext>
             </a:extLst>
           </p:cNvSpPr>
@@ -3795,7 +3795,7 @@
             <a:spLocks noGrp="1" noChangeArrowheads="1"/>
             <a:extLst>
               <a:ext uri="smNativeData">
-                <pr:smNativeData xmlns="smNativeData" xmlns:pr="smNativeData" xmlns:p15="http://schemas.microsoft.com/office/powerpoint/2012/main" xmlns:p14="http://schemas.microsoft.com/office/powerpoint/2010/main" xmlns:mc="http://schemas.openxmlformats.org/markup-compatibility/2006" val="SMDATA_16_xzE7ZxMAAAAlAAAAZAAAAA0AAAAAkAAAAEgAAACQAAAASAAAAAAAAAABAAAAAAAAAAEAAABQAAAAAAAAAAAA4D8AAAAAAADgPwAAAAAAAOA/AAAAAAAA4D8AAAAAAADgPwAAAAAAAOA/AAAAAAAA4D8AAAAAAADgPwAAAAAAAOA/AAAAAAAA4D8CAAAAjAAAAAAAAAAAAAAARHLEDP///wgAAAAAAAAAAAAAAAAAAAAAAAAAAAAAAAAAAAAAZAAAAAEAAABAAAAAAAAAAAAAAAAAAAAAAAAAAAAAAAAAAAAAAAAAAAAAAAAAAAAAAAAAAAAAAAAAAAAAAAAAAAAAAAAAAAAAAAAAAAAAAAAAAAAAAAAAAAAAAAAAAAAAFAAAADwAAAAAAAAAAAAAAAAAAAkUAAAAAQAAABQAAAAUAAAAFAAAAAEAAAAAAAAAZAAAAGQAAAAAAAAAZAAAAGQAAAAVAAAAYAAAAAAAAAAAAAAADwAAACADAAAAAAAAAAAAAAEAAACgMgAAVgcAAKr4//8BAAAAf39/AAEAAABkAAAAAAAAABQAAABAHwAAAAAAACYAAAAAAAAAwOD//wAAAAAmAAAAZAAAABYAAABMAAAAAAAAAAAAAAAEAAAAAAAAAAEAAADn5uYKAAAAACgAAAAoAAAAZAAAAGQAAAAAAAAAzMzMAAAAAABQAAAAUAAAAGQAAABkAAAAAAAAABcAAAAUAAAAAAAAAAAAAAD/fwAA/38AAAAAAAAJAAAABAAAAAAAAAAeAAAAaAAAAAAAAAAAAAAAAAAAAAAAAAAAAAAAECcAABAnAAAAAAAAAAAAAAAAAAAAAAAAAAAAAAAAAAAAAAAAAAAAABQAAAAAAAAAwMD/AAAAAABkAAAAMgAAAAAAAABkAAAAAAAAAH9/fwAKAAAAIgAAABgAAAAAAAAAAAAAAAAAAAAAAAAAAAAAAAAAAAAkAAAAJAAAAAAAAAAHAAAAAAAAAAAAAAAAAAAAAAAAAAAAAAAAAAAAf39/ACUAAABYAAAAAAAAAAAAAAAAAAAAAAAAAAAAAAAAAAAAAAAAAAAAAAAAAAAAAAAAAAAAAAA/AAAAAAAAAKCGAQAAAAAAAAAAAAAAAAAMAAAAAQAAAAAAAAAAAAAAAAAAAB8AAABUAAAAAAAABQAAAAEAAAAAAAAAAAAAAAAAAAAAAAAAAAAAAAAAAAAAAAAAAAAAAAJ/f38AAAAAA8zMzADAwP8Af39/AAAAAAAAAAAAAAAAAAAAAAAAAAAAIQAAABgAAAAUAAAA+DQAABonAADYRQAAWSkAABAAAAAmAAAACAAAAAAAAAAAAAAAMAAAABQAAAAAAAAAAAD//wAAAQAAAP//AAABAA=="/>
+                <pr:smNativeData xmlns:mc="http://schemas.openxmlformats.org/markup-compatibility/2006" xmlns:p14="http://schemas.microsoft.com/office/powerpoint/2010/main" xmlns:p15="http://schemas.microsoft.com/office/powerpoint/2012/main" xmlns:pr="smNativeData" xmlns="smNativeData" val="SMDATA_16_xzE7ZxMAAAAlAAAAZAAAAA0AAAAAkAAAAEgAAACQAAAASAAAAAAAAAABAAAAAAAAAAEAAABQAAAAAAAAAAAA4D8AAAAAAADgPwAAAAAAAOA/AAAAAAAA4D8AAAAAAADgPwAAAAAAAOA/AAAAAAAA4D8AAAAAAADgPwAAAAAAAOA/AAAAAAAA4D8CAAAAjAAAAAAAAAAAAAAARHLEDP///wgAAAAAAAAAAAAAAAAAAAAAAAAAAAAAAAAAAAAAZAAAAAEAAABAAAAAAAAAAAAAAAAAAAAAAAAAAAAAAAAAAAAAAAAAAAAAAAAAAAAAAAAAAAAAAAAAAAAAAAAAAAAAAAAAAAAAAAAAAAAAAAAAAAAAAAAAAAAAAAAAAAAAFAAAADwAAAAAAAAAAAAAAAAAAAkUAAAAAQAAABQAAAAUAAAAFAAAAAEAAAAAAAAAZAAAAGQAAAAAAAAAZAAAAGQAAAAVAAAAYAAAAAAAAAAAAAAADwAAACADAAAAAAAAAAAAAAEAAACgMgAAVgcAAKr4//8BAAAAf39/AAEAAABkAAAAAAAAABQAAABAHwAAAAAAACYAAAAAAAAAwOD//wAAAAAmAAAAZAAAABYAAABMAAAAAAAAAAAAAAAEAAAAAAAAAAEAAADn5uYKAAAAACgAAAAoAAAAZAAAAGQAAAAAAAAAzMzMAAAAAABQAAAAUAAAAGQAAABkAAAAAAAAABcAAAAUAAAAAAAAAAAAAAD/fwAA/38AAAAAAAAJAAAABAAAAAAAAAAeAAAAaAAAAAAAAAAAAAAAAAAAAAAAAAAAAAAAECcAABAnAAAAAAAAAAAAAAAAAAAAAAAAAAAAAAAAAAAAAAAAAAAAABQAAAAAAAAAwMD/AAAAAABkAAAAMgAAAAAAAABkAAAAAAAAAH9/fwAKAAAAIgAAABgAAAAAAAAAAAAAAAAAAAAAAAAAAAAAAAAAAAAkAAAAJAAAAAAAAAAHAAAAAAAAAAAAAAAAAAAAAAAAAAAAAAAAAAAAf39/ACUAAABYAAAAAAAAAAAAAAAAAAAAAAAAAAAAAAAAAAAAAAAAAAAAAAAAAAAAAAAAAAAAAAA/AAAAAAAAAKCGAQAAAAAAAAAAAAAAAAAMAAAAAQAAAAAAAAAAAAAAAAAAAB8AAABUAAAAAAAABQAAAAEAAAAAAAAAAAAAAAAAAAAAAAAAAAAAAAAAAAAAAAAAAAAAAAJ/f38AAAAAA8zMzADAwP8Af39/AAAAAAAAAAAAAAAAAAAAAAAAAAAAIQAAABgAAAAUAAAA+DQAABonAADYRQAAWSkAABAAAAAmAAAACAAAAAAAAAAAAAAAMAAAABQAAAAAAAAAAAD//wAAAQAAAP//AAABAA=="/>
               </a:ext>
             </a:extLst>
           </p:cNvSpPr>
@@ -3851,7 +3851,7 @@
             <a:spLocks noGrp="1" noChangeArrowheads="1"/>
             <a:extLst>
               <a:ext uri="smNativeData">
-                <pr:smNativeData xmlns="smNativeData" xmlns:pr="smNativeData" xmlns:p15="http://schemas.microsoft.com/office/powerpoint/2012/main" xmlns:p14="http://schemas.microsoft.com/office/powerpoint/2010/main" xmlns:mc="http://schemas.openxmlformats.org/markup-compatibility/2006" val="SMDATA_16_xzE7ZxMAAAAlAAAAZAAAAA0AAAAAkAAAAEgAAACQAAAASAAAAAAAAAACAAAAAAAAAAEAAABQAAAAAAAAAAAA4D8AAAAAAADgPwAAAAAAAOA/AAAAAAAA4D8AAAAAAADgPwAAAAAAAOA/AAAAAAAA4D8AAAAAAADgPwAAAAAAAOA/AAAAAAAA4D8CAAAAjAAAAAAAAAAAAAAARHLEDP///wgAAAAAAAAAAAAAAAAAAAAAAAAAAAAAAAAAAAAAZAAAAAEAAABAAAAAAAAAAAAAAAAAAAAAAAAAAAAAAAAAAAAAAAAAAAAAAAAAAAAAAAAAAAAAAAAAAAAAAAAAAAAAAAAAAAAAAAAAAAAAAAAAAAAAAAAAAAAAAAAAAAAAFAAAADwAAAAAAAAAAAAAAAAAAAkUAAAAAQAAABQAAAAUAAAAFAAAAAEAAAAAAAAAZAAAAGQAAAAAAAAAZAAAAGQAAAAVAAAAYAAAAAAAAAAAAAAADwAAACADAAAAAAAAAAAAAAEAAACgMgAAVgcAAKr4//8BAAAAf39/AAEAAABkAAAAAAAAABQAAABAHwAAAAAAACYAAAAAAAAAwOD//wAAAAAmAAAAZAAAABYAAABMAAAAAAAAAAAAAAAEAAAAAAAAAAEAAADn5uYKAAAAACgAAAAoAAAAZAAAAGQAAAAAAAAAzMzMAAAAAABQAAAAUAAAAGQAAABkAAAAAAAAABcAAAAUAAAAAAAAAAAAAAD/fwAA/38AAAAAAAAJAAAABAAAAAAAAAAeAAAAaAAAAAAAAAAAAAAAAAAAAAAAAAAAAAAAECcAABAnAAAAAAAAAAAAAAAAAAAAAAAAAAAAAAAAAAAAAAAAAAAAABQAAAAAAAAAwMD/AAAAAABkAAAAMgAAAAAAAABkAAAAAAAAAH9/fwAKAAAAIgAAABgAAAAAAAAAAAAAAAAAAAAAAAAAAAAAAAAAAAAkAAAAJAAAAAAAAAAHAAAAAAAAAAAAAAAAAAAAAAAAAAAAAAAAAAAAf39/ACUAAABYAAAAAAAAAAAAAAAAAAAAAAAAAAAAAAAAAAAAAAAAAAAAAAAAAAAAAAAAAAAAAAA/AAAAAAAAAKCGAQAAAAAAAAAAAAAAAAAMAAAAAQAAAAAAAAAAAAAAAAAAAB8AAABUAAAAAAAABQAAAAEAAAAAAAAAAAAAAAAAAAAAAAAAAAAAAAAAAAAAAAAAAAAAAAJ/f38AAAAAA8zMzADAwP8Af39/AAAAAAAAAAAAAAAAAAAAAAAAAAAAIQAAABgAAAAUAAAAKwUAANACAABbHQAAqAwAABAAAAAmAAAACAAAAIGAAAAAAAAAMAAAABQAAAAAAAAAAAD//wAAAQAAAP//AAABAA=="/>
+                <pr:smNativeData xmlns:mc="http://schemas.openxmlformats.org/markup-compatibility/2006" xmlns:p14="http://schemas.microsoft.com/office/powerpoint/2010/main" xmlns:p15="http://schemas.microsoft.com/office/powerpoint/2012/main" xmlns:pr="smNativeData" xmlns="smNativeData" val="SMDATA_16_xzE7ZxMAAAAlAAAAZAAAAA0AAAAAkAAAAEgAAACQAAAASAAAAAAAAAACAAAAAAAAAAEAAABQAAAAAAAAAAAA4D8AAAAAAADgPwAAAAAAAOA/AAAAAAAA4D8AAAAAAADgPwAAAAAAAOA/AAAAAAAA4D8AAAAAAADgPwAAAAAAAOA/AAAAAAAA4D8CAAAAjAAAAAAAAAAAAAAARHLEDP///wgAAAAAAAAAAAAAAAAAAAAAAAAAAAAAAAAAAAAAZAAAAAEAAABAAAAAAAAAAAAAAAAAAAAAAAAAAAAAAAAAAAAAAAAAAAAAAAAAAAAAAAAAAAAAAAAAAAAAAAAAAAAAAAAAAAAAAAAAAAAAAAAAAAAAAAAAAAAAAAAAAAAAFAAAADwAAAAAAAAAAAAAAAAAAAkUAAAAAQAAABQAAAAUAAAAFAAAAAEAAAAAAAAAZAAAAGQAAAAAAAAAZAAAAGQAAAAVAAAAYAAAAAAAAAAAAAAADwAAACADAAAAAAAAAAAAAAEAAACgMgAAVgcAAKr4//8BAAAAf39/AAEAAABkAAAAAAAAABQAAABAHwAAAAAAACYAAAAAAAAAwOD//wAAAAAmAAAAZAAAABYAAABMAAAAAAAAAAAAAAAEAAAAAAAAAAEAAADn5uYKAAAAACgAAAAoAAAAZAAAAGQAAAAAAAAAzMzMAAAAAABQAAAAUAAAAGQAAABkAAAAAAAAABcAAAAUAAAAAAAAAAAAAAD/fwAA/38AAAAAAAAJAAAABAAAAAAAAAAeAAAAaAAAAAAAAAAAAAAAAAAAAAAAAAAAAAAAECcAABAnAAAAAAAAAAAAAAAAAAAAAAAAAAAAAAAAAAAAAAAAAAAAABQAAAAAAAAAwMD/AAAAAABkAAAAMgAAAAAAAABkAAAAAAAAAH9/fwAKAAAAIgAAABgAAAAAAAAAAAAAAAAAAAAAAAAAAAAAAAAAAAAkAAAAJAAAAAAAAAAHAAAAAAAAAAAAAAAAAAAAAAAAAAAAAAAAAAAAf39/ACUAAABYAAAAAAAAAAAAAAAAAAAAAAAAAAAAAAAAAAAAAAAAAAAAAAAAAAAAAAAAAAAAAAA/AAAAAAAAAKCGAQAAAAAAAAAAAAAAAAAMAAAAAQAAAAAAAAAAAAAAAAAAAB8AAABUAAAAAAAABQAAAAEAAAAAAAAAAAAAAAAAAAAAAAAAAAAAAAAAAAAAAAAAAAAAAAJ/f38AAAAAA8zMzADAwP8Af39/AAAAAAAAAAAAAAAAAAAAAAAAAAAAIQAAABgAAAAUAAAAKwUAANACAABbHQAAqAwAABAAAAAmAAAACAAAAIGAAAAAAAAAMAAAABQAAAAAAAAAAAD//wAAAQAAAP//AAABAA=="/>
               </a:ext>
             </a:extLst>
           </p:cNvSpPr>
@@ -3917,7 +3917,7 @@
             <a:spLocks noGrp="1" noChangeArrowheads="1"/>
             <a:extLst>
               <a:ext uri="smNativeData">
-                <pr:smNativeData xmlns="smNativeData" xmlns:pr="smNativeData" xmlns:p15="http://schemas.microsoft.com/office/powerpoint/2012/main" xmlns:p14="http://schemas.microsoft.com/office/powerpoint/2010/main" xmlns:mc="http://schemas.openxmlformats.org/markup-compatibility/2006" val="SMDATA_16_xzE7ZxMAAAAlAAAAZAAAAA0AAAAAkAAAAEgAAACQAAAASAAAAAAAAAAAAAAAAAAAAAEAAABQAAAAAAAAAAAA4D8AAAAAAADgPwAAAAAAAOA/AAAAAAAA4D8AAAAAAADgPwAAAAAAAOA/AAAAAAAA4D8AAAAAAADgPwAAAAAAAOA/AAAAAAAA4D8CAAAAjAAAAAAAAAAAAAAARHLEDP///wgAAAAAAAAAAAAAAAAAAAAAAAAAAAAAAAAAAAAAZAAAAAEAAABAAAAAAAAAAAAAAAAAAAAAAAAAAAAAAAAAAAAAAAAAAAAAAAAAAAAAAAAAAAAAAAAAAAAAAAAAAAAAAAAAAAAAAAAAAAAAAAAAAAAAAAAAAAAAAAAAAAAAFAAAADwAAAAAAAAAAAAAAAAAAAkUAAAAAQAAABQAAAAUAAAAFAAAAAEAAAAAAAAAZAAAAGQAAAAAAAAAZAAAAGQAAAAVAAAAYAAAAAAAAAAAAAAADwAAACADAAAAAAAAAAAAAAEAAACgMgAAVgcAAKr4//8BAAAAf39/AAEAAABkAAAAAAAAABQAAABAHwAAAAAAACYAAAAAAAAAwOD//wAAAAAmAAAAZAAAABYAAABMAAAAAAAAAAAAAAAEAAAAAAAAAAEAAADn5uYKAAAAACgAAAAoAAAAZAAAAGQAAAAAAAAAzMzMAAAAAABQAAAAUAAAAGQAAABkAAAAAAAAABcAAAAUAAAAAAAAAAAAAAD/fwAA/38AAAAAAAAJAAAABAAAAAAAAAAeAAAAaAAAAAAAAAAAAAAAAAAAAAAAAAAAAAAAECcAABAnAAAAAAAAAAAAAAAAAAAAAAAAAAAAAAAAAAAAAAAAAAAAABQAAAAAAAAAwMD/AAAAAABkAAAAMgAAAAAAAABkAAAAAAAAAH9/fwAKAAAAIgAAABgAAAAAAAAAAAAAAAAAAAAAAAAAAAAAAAAAAAAkAAAAJAAAAAAAAAAHAAAAAAAAAAAAAAAAAAAAAAAAAAAAAAAAAAAAf39/ACUAAABYAAAAAAAAAAAAAAAAAAAAAAAAAAAAAAAAAAAAAAAAAAAAAAAAAAAAAAAAAAAAAAA/AAAAAAAAAKCGAQAAAAAAAAAAAAAAAAAMAAAAAQAAAAAAAAAAAAAAAAAAAB8AAABUAAAAAAAABQAAAAEAAAAAAAAAAAAAAAAAAAAAAAAAAAAAAAAAAAAAAAAAAAAAAAJ/f38AAAAAA8zMzADAwP8Af39/AAAAAAAAAAAAAAAAAAAAAAAAAAAAIQAAABgAAAAUAAAA4x8AABMGAADbRQAADiQAABAAAAAmAAAACAAAAAGAAAAAAAAAMAAAABQAAAAAAAAAAAD//wAAAQAAAP//AAABAA=="/>
+                <pr:smNativeData xmlns:mc="http://schemas.openxmlformats.org/markup-compatibility/2006" xmlns:p14="http://schemas.microsoft.com/office/powerpoint/2010/main" xmlns:p15="http://schemas.microsoft.com/office/powerpoint/2012/main" xmlns:pr="smNativeData" xmlns="smNativeData" val="SMDATA_16_xzE7ZxMAAAAlAAAAZAAAAA0AAAAAkAAAAEgAAACQAAAASAAAAAAAAAAAAAAAAAAAAAEAAABQAAAAAAAAAAAA4D8AAAAAAADgPwAAAAAAAOA/AAAAAAAA4D8AAAAAAADgPwAAAAAAAOA/AAAAAAAA4D8AAAAAAADgPwAAAAAAAOA/AAAAAAAA4D8CAAAAjAAAAAAAAAAAAAAARHLEDP///wgAAAAAAAAAAAAAAAAAAAAAAAAAAAAAAAAAAAAAZAAAAAEAAABAAAAAAAAAAAAAAAAAAAAAAAAAAAAAAAAAAAAAAAAAAAAAAAAAAAAAAAAAAAAAAAAAAAAAAAAAAAAAAAAAAAAAAAAAAAAAAAAAAAAAAAAAAAAAAAAAAAAAFAAAADwAAAAAAAAAAAAAAAAAAAkUAAAAAQAAABQAAAAUAAAAFAAAAAEAAAAAAAAAZAAAAGQAAAAAAAAAZAAAAGQAAAAVAAAAYAAAAAAAAAAAAAAADwAAACADAAAAAAAAAAAAAAEAAACgMgAAVgcAAKr4//8BAAAAf39/AAEAAABkAAAAAAAAABQAAABAHwAAAAAAACYAAAAAAAAAwOD//wAAAAAmAAAAZAAAABYAAABMAAAAAAAAAAAAAAAEAAAAAAAAAAEAAADn5uYKAAAAACgAAAAoAAAAZAAAAGQAAAAAAAAAzMzMAAAAAABQAAAAUAAAAGQAAABkAAAAAAAAABcAAAAUAAAAAAAAAAAAAAD/fwAA/38AAAAAAAAJAAAABAAAAAAAAAAeAAAAaAAAAAAAAAAAAAAAAAAAAAAAAAAAAAAAECcAABAnAAAAAAAAAAAAAAAAAAAAAAAAAAAAAAAAAAAAAAAAAAAAABQAAAAAAAAAwMD/AAAAAABkAAAAMgAAAAAAAABkAAAAAAAAAH9/fwAKAAAAIgAAABgAAAAAAAAAAAAAAAAAAAAAAAAAAAAAAAAAAAAkAAAAJAAAAAAAAAAHAAAAAAAAAAAAAAAAAAAAAAAAAAAAAAAAAAAAf39/ACUAAABYAAAAAAAAAAAAAAAAAAAAAAAAAAAAAAAAAAAAAAAAAAAAAAAAAAAAAAAAAAAAAAA/AAAAAAAAAKCGAQAAAAAAAAAAAAAAAAAMAAAAAQAAAAAAAAAAAAAAAAAAAB8AAABUAAAAAAAABQAAAAEAAAAAAAAAAAAAAAAAAAAAAAAAAAAAAAAAAAAAAAAAAAAAAAJ/f38AAAAAA8zMzADAwP8Af39/AAAAAAAAAAAAAAAAAAAAAAAAAAAAIQAAABgAAAAUAAAA4x8AABMGAADbRQAADiQAABAAAAAmAAAACAAAAAGAAAAAAAAAMAAAABQAAAAAAAAAAAD//wAAAQAAAP//AAABAA=="/>
               </a:ext>
             </a:extLst>
           </p:cNvSpPr>
@@ -3986,7 +3986,7 @@
             <a:spLocks noGrp="1" noChangeArrowheads="1"/>
             <a:extLst>
               <a:ext uri="smNativeData">
-                <pr:smNativeData xmlns="smNativeData" xmlns:pr="smNativeData" xmlns:p15="http://schemas.microsoft.com/office/powerpoint/2012/main" xmlns:p14="http://schemas.microsoft.com/office/powerpoint/2010/main" xmlns:mc="http://schemas.openxmlformats.org/markup-compatibility/2006" val="SMDATA_16_xzE7ZxMAAAAlAAAAZAAAAA0AAAAAkAAAAEgAAACQAAAASAAAAAAAAAAAAAAAAAAAAAEAAABQAAAAAAAAAAAA4D8AAAAAAADgPwAAAAAAAOA/AAAAAAAA4D8AAAAAAADgPwAAAAAAAOA/AAAAAAAA4D8AAAAAAADgPwAAAAAAAOA/AAAAAAAA4D8CAAAAjAAAAAAAAAAAAAAARHLEDP///wgAAAAAAAAAAAAAAAAAAAAAAAAAAAAAAAAAAAAAZAAAAAEAAABAAAAAAAAAAAAAAAAAAAAAAAAAAAAAAAAAAAAAAAAAAAAAAAAAAAAAAAAAAAAAAAAAAAAAAAAAAAAAAAAAAAAAAAAAAAAAAAAAAAAAAAAAAAAAAAAAAAAAFAAAADwAAAAAAAAAAAAAAAAAAAkUAAAAAQAAABQAAAAUAAAAFAAAAAEAAAAAAAAAZAAAAGQAAAAAAAAAZAAAAGQAAAAVAAAAYAAAAAAAAAAAAAAADwAAACADAAAAAAAAAAAAAAEAAACgMgAAVgcAAKr4//8BAAAAf39/AAEAAABkAAAAAAAAABQAAABAHwAAAAAAACYAAAAAAAAAwOD//wAAAAAmAAAAZAAAABYAAABMAAAAAAAAAAAAAAAEAAAAAAAAAAEAAADn5uYKAAAAACgAAAAoAAAAZAAAAGQAAAAAAAAAzMzMAAAAAABQAAAAUAAAAGQAAABkAAAAAAAAABcAAAAUAAAAAAAAAAAAAAD/fwAA/38AAAAAAAAJAAAABAAAAAAAAAAeAAAAaAAAAAAAAAAAAAAAAAAAAAAAAAAAAAAAECcAABAnAAAAAAAAAAAAAAAAAAAAAAAAAAAAAAAAAAAAAAAAAAAAABQAAAAAAAAAwMD/AAAAAABkAAAAMgAAAAAAAABkAAAAAAAAAH9/fwAKAAAAIgAAABgAAAAAAAAAAAAAAAAAAAAAAAAAAAAAAAAAAAAkAAAAJAAAAAAAAAAHAAAAAAAAAAAAAAAAAAAAAAAAAAAAAAAAAAAAf39/ACUAAABYAAAAAAAAAAAAAAAAAAAAAAAAAAAAAAAAAAAAAAAAAAAAAAAAAAAAAAAAAAAAAAA/AAAAAAAAAKCGAQAAAAAAAAAAAAAAAAAMAAAAAQAAAAAAAAAAAAAAAAAAAB8AAABUAAAAAAAABQAAAAEAAAAAAAAAAAAAAAAAAAAAAAAAAAAAAAAAAAAAAAAAAAAAAAJ/f38AAAAAA8zMzADAwP8Af39/AAAAAAAAAAAAAAAAAAAAAAAAAAAAIQAAABgAAAAUAAAAKwUAAKgMAABbHQAAGyQAABAAAAAmAAAACAAAAAGAAAAAAAAAMAAAABQAAAAAAAAAAAD//wAAAQAAAP//AAABAA=="/>
+                <pr:smNativeData xmlns:mc="http://schemas.openxmlformats.org/markup-compatibility/2006" xmlns:p14="http://schemas.microsoft.com/office/powerpoint/2010/main" xmlns:p15="http://schemas.microsoft.com/office/powerpoint/2012/main" xmlns:pr="smNativeData" xmlns="smNativeData" val="SMDATA_16_xzE7ZxMAAAAlAAAAZAAAAA0AAAAAkAAAAEgAAACQAAAASAAAAAAAAAAAAAAAAAAAAAEAAABQAAAAAAAAAAAA4D8AAAAAAADgPwAAAAAAAOA/AAAAAAAA4D8AAAAAAADgPwAAAAAAAOA/AAAAAAAA4D8AAAAAAADgPwAAAAAAAOA/AAAAAAAA4D8CAAAAjAAAAAAAAAAAAAAARHLEDP///wgAAAAAAAAAAAAAAAAAAAAAAAAAAAAAAAAAAAAAZAAAAAEAAABAAAAAAAAAAAAAAAAAAAAAAAAAAAAAAAAAAAAAAAAAAAAAAAAAAAAAAAAAAAAAAAAAAAAAAAAAAAAAAAAAAAAAAAAAAAAAAAAAAAAAAAAAAAAAAAAAAAAAFAAAADwAAAAAAAAAAAAAAAAAAAkUAAAAAQAAABQAAAAUAAAAFAAAAAEAAAAAAAAAZAAAAGQAAAAAAAAAZAAAAGQAAAAVAAAAYAAAAAAAAAAAAAAADwAAACADAAAAAAAAAAAAAAEAAACgMgAAVgcAAKr4//8BAAAAf39/AAEAAABkAAAAAAAAABQAAABAHwAAAAAAACYAAAAAAAAAwOD//wAAAAAmAAAAZAAAABYAAABMAAAAAAAAAAAAAAAEAAAAAAAAAAEAAADn5uYKAAAAACgAAAAoAAAAZAAAAGQAAAAAAAAAzMzMAAAAAABQAAAAUAAAAGQAAABkAAAAAAAAABcAAAAUAAAAAAAAAAAAAAD/fwAA/38AAAAAAAAJAAAABAAAAAAAAAAeAAAAaAAAAAAAAAAAAAAAAAAAAAAAAAAAAAAAECcAABAnAAAAAAAAAAAAAAAAAAAAAAAAAAAAAAAAAAAAAAAAAAAAABQAAAAAAAAAwMD/AAAAAABkAAAAMgAAAAAAAABkAAAAAAAAAH9/fwAKAAAAIgAAABgAAAAAAAAAAAAAAAAAAAAAAAAAAAAAAAAAAAAkAAAAJAAAAAAAAAAHAAAAAAAAAAAAAAAAAAAAAAAAAAAAAAAAAAAAf39/ACUAAABYAAAAAAAAAAAAAAAAAAAAAAAAAAAAAAAAAAAAAAAAAAAAAAAAAAAAAAAAAAAAAAA/AAAAAAAAAKCGAQAAAAAAAAAAAAAAAAAMAAAAAQAAAAAAAAAAAAAAAAAAAB8AAABUAAAAAAAABQAAAAEAAAAAAAAAAAAAAAAAAAAAAAAAAAAAAAAAAAAAAAAAAAAAAAJ/f38AAAAAA8zMzADAwP8Af39/AAAAAAAAAAAAAAAAAAAAAAAAAAAAIQAAABgAAAAUAAAAKwUAAKgMAABbHQAAGyQAABAAAAAmAAAACAAAAAGAAAAAAAAAMAAAABQAAAAAAAAAAAD//wAAAQAAAP//AAABAA=="/>
               </a:ext>
             </a:extLst>
           </p:cNvSpPr>
@@ -4057,7 +4057,7 @@
             <a:spLocks noGrp="1" noChangeArrowheads="1"/>
             <a:extLst>
               <a:ext uri="smNativeData">
-                <pr:smNativeData xmlns="smNativeData" xmlns:pr="smNativeData" xmlns:p15="http://schemas.microsoft.com/office/powerpoint/2012/main" xmlns:p14="http://schemas.microsoft.com/office/powerpoint/2010/main" xmlns:mc="http://schemas.openxmlformats.org/markup-compatibility/2006" val="SMDATA_16_xzE7ZxMAAAAlAAAAZAAAAA0AAAAAkAAAAEgAAACQAAAASAAAAAAAAAABAAAAAAAAAAEAAABQAAAAAAAAAAAA4D8AAAAAAADgPwAAAAAAAOA/AAAAAAAA4D8AAAAAAADgPwAAAAAAAOA/AAAAAAAA4D8AAAAAAADgPwAAAAAAAOA/AAAAAAAA4D8CAAAAjAAAAAAAAAAAAAAARHLEDP///wgAAAAAAAAAAAAAAAAAAAAAAAAAAAAAAAAAAAAAZAAAAAEAAABAAAAAAAAAAAAAAAAAAAAAAAAAAAAAAAAAAAAAAAAAAAAAAAAAAAAAAAAAAAAAAAAAAAAAAAAAAAAAAAAAAAAAAAAAAAAAAAAAAAAAAAAAAAAAAAAAAAAAFAAAADwAAAAAAAAAAAAAAAAAAAkUAAAAAQAAABQAAAAUAAAAFAAAAAEAAAAAAAAAZAAAAGQAAAAAAAAAZAAAAGQAAAAVAAAAYAAAAAAAAAAAAAAADwAAACADAAAAAAAAAAAAAAEAAACgMgAAVgcAAKr4//8BAAAAf39/AAEAAABkAAAAAAAAABQAAABAHwAAAAAAACYAAAAAAAAAwOD//wAAAAAmAAAAZAAAABYAAABMAAAAAAAAAAAAAAAEAAAAAAAAAAEAAADn5uYKAAAAACgAAAAoAAAAZAAAAGQAAAAAAAAAzMzMAAAAAABQAAAAUAAAAGQAAABkAAAAAAAAABcAAAAUAAAAAAAAAAAAAAD/fwAA/38AAAAAAAAJAAAABAAAAAAAAAAeAAAAaAAAAAAAAAAAAAAAAAAAAAAAAAAAAAAAECcAABAnAAAAAAAAAAAAAAAAAAAAAAAAAAAAAAAAAAAAAAAAAAAAABQAAAAAAAAAwMD/AAAAAABkAAAAMgAAAAAAAABkAAAAAAAAAH9/fwAKAAAAIgAAABgAAAAAAAAAAAAAAAAAAAAAAAAAAAAAAAAAAAAkAAAAJAAAAAAAAAAHAAAAAAAAAAAAAAAAAAAAAAAAAAAAAAAAAAAAf39/ACUAAABYAAAAAAAAAAAAAAAAAAAAAAAAAAAAAAAAAAAAAAAAAAAAAAAAAAAAAAAAAAAAAAA/AAAAAAAAAKCGAQAAAAAAAAAAAAAAAAAMAAAAAQAAAAAAAAAAAAAAAAAAAB8AAABUAAAAAAAABQAAAAEAAAAAAAAAAAAAAAAAAAAAAAAAAAAAAAAAAAAAAAAAAAAAAAJ/f38AAAAAA8zMzADAwP8Af39/AAAAAAAAAAAAAAAAAAAAAAAAAAAAIQAAABgAAAAUAAAAKAUAABonAAAIFgAAWSkAABAAAAAmAAAACAAAAAAAAAAAAAAAMAAAABQAAAAAAAAAAAD//wAAAQAAAP//AAABAA=="/>
+                <pr:smNativeData xmlns:mc="http://schemas.openxmlformats.org/markup-compatibility/2006" xmlns:p14="http://schemas.microsoft.com/office/powerpoint/2010/main" xmlns:p15="http://schemas.microsoft.com/office/powerpoint/2012/main" xmlns:pr="smNativeData" xmlns="smNativeData" val="SMDATA_16_xzE7ZxMAAAAlAAAAZAAAAA0AAAAAkAAAAEgAAACQAAAASAAAAAAAAAABAAAAAAAAAAEAAABQAAAAAAAAAAAA4D8AAAAAAADgPwAAAAAAAOA/AAAAAAAA4D8AAAAAAADgPwAAAAAAAOA/AAAAAAAA4D8AAAAAAADgPwAAAAAAAOA/AAAAAAAA4D8CAAAAjAAAAAAAAAAAAAAARHLEDP///wgAAAAAAAAAAAAAAAAAAAAAAAAAAAAAAAAAAAAAZAAAAAEAAABAAAAAAAAAAAAAAAAAAAAAAAAAAAAAAAAAAAAAAAAAAAAAAAAAAAAAAAAAAAAAAAAAAAAAAAAAAAAAAAAAAAAAAAAAAAAAAAAAAAAAAAAAAAAAAAAAAAAAFAAAADwAAAAAAAAAAAAAAAAAAAkUAAAAAQAAABQAAAAUAAAAFAAAAAEAAAAAAAAAZAAAAGQAAAAAAAAAZAAAAGQAAAAVAAAAYAAAAAAAAAAAAAAADwAAACADAAAAAAAAAAAAAAEAAACgMgAAVgcAAKr4//8BAAAAf39/AAEAAABkAAAAAAAAABQAAABAHwAAAAAAACYAAAAAAAAAwOD//wAAAAAmAAAAZAAAABYAAABMAAAAAAAAAAAAAAAEAAAAAAAAAAEAAADn5uYKAAAAACgAAAAoAAAAZAAAAGQAAAAAAAAAzMzMAAAAAABQAAAAUAAAAGQAAABkAAAAAAAAABcAAAAUAAAAAAAAAAAAAAD/fwAA/38AAAAAAAAJAAAABAAAAAAAAAAeAAAAaAAAAAAAAAAAAAAAAAAAAAAAAAAAAAAAECcAABAnAAAAAAAAAAAAAAAAAAAAAAAAAAAAAAAAAAAAAAAAAAAAABQAAAAAAAAAwMD/AAAAAABkAAAAMgAAAAAAAABkAAAAAAAAAH9/fwAKAAAAIgAAABgAAAAAAAAAAAAAAAAAAAAAAAAAAAAAAAAAAAAkAAAAJAAAAAAAAAAHAAAAAAAAAAAAAAAAAAAAAAAAAAAAAAAAAAAAf39/ACUAAABYAAAAAAAAAAAAAAAAAAAAAAAAAAAAAAAAAAAAAAAAAAAAAAAAAAAAAAAAAAAAAAA/AAAAAAAAAKCGAQAAAAAAAAAAAAAAAAAMAAAAAQAAAAAAAAAAAAAAAAAAAB8AAABUAAAAAAAABQAAAAEAAAAAAAAAAAAAAAAAAAAAAAAAAAAAAAAAAAAAAAAAAAAAAAJ/f38AAAAAA8zMzADAwP8Af39/AAAAAAAAAAAAAAAAAAAAAAAAAAAAIQAAABgAAAAUAAAAKAUAABonAAAIFgAAWSkAABAAAAAmAAAACAAAAAAAAAAAAAAAMAAAABQAAAAAAAAAAAD//wAAAQAAAP//AAABAA=="/>
               </a:ext>
             </a:extLst>
           </p:cNvSpPr>
@@ -4087,7 +4087,7 @@
             <a:spLocks noGrp="1" noChangeArrowheads="1"/>
             <a:extLst>
               <a:ext uri="smNativeData">
-                <pr:smNativeData xmlns="smNativeData" xmlns:pr="smNativeData" xmlns:p15="http://schemas.microsoft.com/office/powerpoint/2012/main" xmlns:p14="http://schemas.microsoft.com/office/powerpoint/2010/main" xmlns:mc="http://schemas.openxmlformats.org/markup-compatibility/2006" val="SMDATA_16_xzE7ZxMAAAAlAAAAZAAAAA0AAAAAkAAAAEgAAACQAAAASAAAAAAAAAABAAAAAAAAAAEAAABQAAAAAAAAAAAA4D8AAAAAAADgPwAAAAAAAOA/AAAAAAAA4D8AAAAAAADgPwAAAAAAAOA/AAAAAAAA4D8AAAAAAADgPwAAAAAAAOA/AAAAAAAA4D8CAAAAjAAAAAAAAAAAAAAARHLEDP///wgAAAAAAAAAAAAAAAAAAAAAAAAAAAAAAAAAAAAAZAAAAAEAAABAAAAAAAAAAAAAAAAAAAAAAAAAAAAAAAAAAAAAAAAAAAAAAAAAAAAAAAAAAAAAAAAAAAAAAAAAAAAAAAAAAAAAAAAAAAAAAAAAAAAAAAAAAAAAAAAAAAAAFAAAADwAAAAAAAAAAAAAAAAAAAkUAAAAAQAAABQAAAAUAAAAFAAAAAEAAAAAAAAAZAAAAGQAAAAAAAAAZAAAAGQAAAAVAAAAYAAAAAAAAAAAAAAADwAAACADAAAAAAAAAAAAAAEAAACgMgAAVgcAAKr4//8BAAAAf39/AAEAAABkAAAAAAAAABQAAABAHwAAAAAAACYAAAAAAAAAwOD//wAAAAAmAAAAZAAAABYAAABMAAAAAAAAAAAAAAAEAAAAAAAAAAEAAADn5uYKAAAAACgAAAAoAAAAZAAAAGQAAAAAAAAAzMzMAAAAAABQAAAAUAAAAGQAAABkAAAAAAAAABcAAAAUAAAAAAAAAAAAAAD/fwAA/38AAAAAAAAJAAAABAAAAAAAAAAeAAAAaAAAAAAAAAAAAAAAAAAAAAAAAAAAAAAAECcAABAnAAAAAAAAAAAAAAAAAAAAAAAAAAAAAAAAAAAAAAAAAAAAABQAAAAAAAAAwMD/AAAAAABkAAAAMgAAAAAAAABkAAAAAAAAAH9/fwAKAAAAIgAAABgAAAAAAAAAAAAAAAAAAAAAAAAAAAAAAAAAAAAkAAAAJAAAAAAAAAAHAAAAAAAAAAAAAAAAAAAAAAAAAAAAAAAAAAAAf39/ACUAAABYAAAAAAAAAAAAAAAAAAAAAAAAAAAAAAAAAAAAAAAAAAAAAAAAAAAAAAAAAAAAAAA/AAAAAAAAAKCGAQAAAAAAAAAAAAAAAAAMAAAAAQAAAAAAAAAAAAAAAAAAAB8AAABUAAAAAAAABQAAAAEAAAAAAAAAAAAAAAAAAAAAAAAAAAAAAAAAAAAAAAAAAAAAAAJ/f38AAAAAA8zMzADAwP8Af39/AAAAAAAAAAAAAAAAAAAAAAAAAAAAIQAAABgAAAAUAAAA2BgAABonAAAoMgAAWSkAABAAAAAmAAAACAAAAAAAAAAAAAAAMAAAABQAAAAAAAAAAAD//wAAAQAAAP//AAABAA=="/>
+                <pr:smNativeData xmlns:mc="http://schemas.openxmlformats.org/markup-compatibility/2006" xmlns:p14="http://schemas.microsoft.com/office/powerpoint/2010/main" xmlns:p15="http://schemas.microsoft.com/office/powerpoint/2012/main" xmlns:pr="smNativeData" xmlns="smNativeData" val="SMDATA_16_xzE7ZxMAAAAlAAAAZAAAAA0AAAAAkAAAAEgAAACQAAAASAAAAAAAAAABAAAAAAAAAAEAAABQAAAAAAAAAAAA4D8AAAAAAADgPwAAAAAAAOA/AAAAAAAA4D8AAAAAAADgPwAAAAAAAOA/AAAAAAAA4D8AAAAAAADgPwAAAAAAAOA/AAAAAAAA4D8CAAAAjAAAAAAAAAAAAAAARHLEDP///wgAAAAAAAAAAAAAAAAAAAAAAAAAAAAAAAAAAAAAZAAAAAEAAABAAAAAAAAAAAAAAAAAAAAAAAAAAAAAAAAAAAAAAAAAAAAAAAAAAAAAAAAAAAAAAAAAAAAAAAAAAAAAAAAAAAAAAAAAAAAAAAAAAAAAAAAAAAAAAAAAAAAAFAAAADwAAAAAAAAAAAAAAAAAAAkUAAAAAQAAABQAAAAUAAAAFAAAAAEAAAAAAAAAZAAAAGQAAAAAAAAAZAAAAGQAAAAVAAAAYAAAAAAAAAAAAAAADwAAACADAAAAAAAAAAAAAAEAAACgMgAAVgcAAKr4//8BAAAAf39/AAEAAABkAAAAAAAAABQAAABAHwAAAAAAACYAAAAAAAAAwOD//wAAAAAmAAAAZAAAABYAAABMAAAAAAAAAAAAAAAEAAAAAAAAAAEAAADn5uYKAAAAACgAAAAoAAAAZAAAAGQAAAAAAAAAzMzMAAAAAABQAAAAUAAAAGQAAABkAAAAAAAAABcAAAAUAAAAAAAAAAAAAAD/fwAA/38AAAAAAAAJAAAABAAAAAAAAAAeAAAAaAAAAAAAAAAAAAAAAAAAAAAAAAAAAAAAECcAABAnAAAAAAAAAAAAAAAAAAAAAAAAAAAAAAAAAAAAAAAAAAAAABQAAAAAAAAAwMD/AAAAAABkAAAAMgAAAAAAAABkAAAAAAAAAH9/fwAKAAAAIgAAABgAAAAAAAAAAAAAAAAAAAAAAAAAAAAAAAAAAAAkAAAAJAAAAAAAAAAHAAAAAAAAAAAAAAAAAAAAAAAAAAAAAAAAAAAAf39/ACUAAABYAAAAAAAAAAAAAAAAAAAAAAAAAAAAAAAAAAAAAAAAAAAAAAAAAAAAAAAAAAAAAAA/AAAAAAAAAKCGAQAAAAAAAAAAAAAAAAAMAAAAAQAAAAAAAAAAAAAAAAAAAB8AAABUAAAAAAAABQAAAAEAAAAAAAAAAAAAAAAAAAAAAAAAAAAAAAAAAAAAAAAAAAAAAAJ/f38AAAAAA8zMzADAwP8Af39/AAAAAAAAAAAAAAAAAAAAAAAAAAAAIQAAABgAAAAUAAAA2BgAABonAAAoMgAAWSkAABAAAAAmAAAACAAAAAAAAAAAAAAAMAAAABQAAAAAAAAAAAD//wAAAQAAAP//AAABAA=="/>
               </a:ext>
             </a:extLst>
           </p:cNvSpPr>
@@ -4114,7 +4114,7 @@
             <a:spLocks noGrp="1" noChangeArrowheads="1"/>
             <a:extLst>
               <a:ext uri="smNativeData">
-                <pr:smNativeData xmlns="smNativeData" xmlns:pr="smNativeData" xmlns:p15="http://schemas.microsoft.com/office/powerpoint/2012/main" xmlns:p14="http://schemas.microsoft.com/office/powerpoint/2010/main" xmlns:mc="http://schemas.openxmlformats.org/markup-compatibility/2006" val="SMDATA_16_xzE7ZxMAAAAlAAAAZAAAAA0AAAAAkAAAAEgAAACQAAAASAAAAAAAAAABAAAAAAAAAAEAAABQAAAAAAAAAAAA4D8AAAAAAADgPwAAAAAAAOA/AAAAAAAA4D8AAAAAAADgPwAAAAAAAOA/AAAAAAAA4D8AAAAAAADgPwAAAAAAAOA/AAAAAAAA4D8CAAAAjAAAAAAAAAAAAAAARHLEDP///wgAAAAAAAAAAAAAAAAAAAAAAAAAAAAAAAAAAAAAZAAAAAEAAABAAAAAAAAAAAAAAAAAAAAAAAAAAAAAAAAAAAAAAAAAAAAAAAAAAAAAAAAAAAAAAAAAAAAAAAAAAAAAAAAAAAAAAAAAAAAAAAAAAAAAAAAAAAAAAAAAAAAAFAAAADwAAAAAAAAAAAAAAAAAAAkUAAAAAQAAABQAAAAUAAAAFAAAAAEAAAAAAAAAZAAAAGQAAAAAAAAAZAAAAGQAAAAVAAAAYAAAAAAAAAAAAAAADwAAACADAAAAAAAAAAAAAAEAAACgMgAAVgcAAKr4//8BAAAAf39/AAEAAABkAAAAAAAAABQAAABAHwAAAAAAACYAAAAAAAAAwOD//wAAAAAmAAAAZAAAABYAAABMAAAAAAAAAAAAAAAEAAAAAAAAAAEAAADn5uYKAAAAACgAAAAoAAAAZAAAAGQAAAAAAAAAzMzMAAAAAABQAAAAUAAAAGQAAABkAAAAAAAAABcAAAAUAAAAAAAAAAAAAAD/fwAA/38AAAAAAAAJAAAABAAAAAAAAAAeAAAAaAAAAAAAAAAAAAAAAAAAAAAAAAAAAAAAECcAABAnAAAAAAAAAAAAAAAAAAAAAAAAAAAAAAAAAAAAAAAAAAAAABQAAAAAAAAAwMD/AAAAAABkAAAAMgAAAAAAAABkAAAAAAAAAH9/fwAKAAAAIgAAABgAAAAAAAAAAAAAAAAAAAAAAAAAAAAAAAAAAAAkAAAAJAAAAAAAAAAHAAAAAAAAAAAAAAAAAAAAAAAAAAAAAAAAAAAAf39/ACUAAABYAAAAAAAAAAAAAAAAAAAAAAAAAAAAAAAAAAAAAAAAAAAAAAAAAAAAAAAAAAAAAAA/AAAAAAAAAKCGAQAAAAAAAAAAAAAAAAAMAAAAAQAAAAAAAAAAAAAAAAAAAB8AAABUAAAAAAAABQAAAAEAAAAAAAAAAAAAAAAAAAAAAAAAAAAAAAAAAAAAAAAAAAAAAAJ/f38AAAAAA8zMzADAwP8Af39/AAAAAAAAAAAAAAAAAAAAAAAAAAAAIQAAABgAAAAUAAAA+DQAABonAADYRQAAWSkAABAAAAAmAAAACAAAAAAAAAAAAAAAMAAAABQAAAAAAAAAAAD//wAAAQAAAP//AAABAA=="/>
+                <pr:smNativeData xmlns:mc="http://schemas.openxmlformats.org/markup-compatibility/2006" xmlns:p14="http://schemas.microsoft.com/office/powerpoint/2010/main" xmlns:p15="http://schemas.microsoft.com/office/powerpoint/2012/main" xmlns:pr="smNativeData" xmlns="smNativeData" val="SMDATA_16_xzE7ZxMAAAAlAAAAZAAAAA0AAAAAkAAAAEgAAACQAAAASAAAAAAAAAABAAAAAAAAAAEAAABQAAAAAAAAAAAA4D8AAAAAAADgPwAAAAAAAOA/AAAAAAAA4D8AAAAAAADgPwAAAAAAAOA/AAAAAAAA4D8AAAAAAADgPwAAAAAAAOA/AAAAAAAA4D8CAAAAjAAAAAAAAAAAAAAARHLEDP///wgAAAAAAAAAAAAAAAAAAAAAAAAAAAAAAAAAAAAAZAAAAAEAAABAAAAAAAAAAAAAAAAAAAAAAAAAAAAAAAAAAAAAAAAAAAAAAAAAAAAAAAAAAAAAAAAAAAAAAAAAAAAAAAAAAAAAAAAAAAAAAAAAAAAAAAAAAAAAAAAAAAAAFAAAADwAAAAAAAAAAAAAAAAAAAkUAAAAAQAAABQAAAAUAAAAFAAAAAEAAAAAAAAAZAAAAGQAAAAAAAAAZAAAAGQAAAAVAAAAYAAAAAAAAAAAAAAADwAAACADAAAAAAAAAAAAAAEAAACgMgAAVgcAAKr4//8BAAAAf39/AAEAAABkAAAAAAAAABQAAABAHwAAAAAAACYAAAAAAAAAwOD//wAAAAAmAAAAZAAAABYAAABMAAAAAAAAAAAAAAAEAAAAAAAAAAEAAADn5uYKAAAAACgAAAAoAAAAZAAAAGQAAAAAAAAAzMzMAAAAAABQAAAAUAAAAGQAAABkAAAAAAAAABcAAAAUAAAAAAAAAAAAAAD/fwAA/38AAAAAAAAJAAAABAAAAAAAAAAeAAAAaAAAAAAAAAAAAAAAAAAAAAAAAAAAAAAAECcAABAnAAAAAAAAAAAAAAAAAAAAAAAAAAAAAAAAAAAAAAAAAAAAABQAAAAAAAAAwMD/AAAAAABkAAAAMgAAAAAAAABkAAAAAAAAAH9/fwAKAAAAIgAAABgAAAAAAAAAAAAAAAAAAAAAAAAAAAAAAAAAAAAkAAAAJAAAAAAAAAAHAAAAAAAAAAAAAAAAAAAAAAAAAAAAAAAAAAAAf39/ACUAAABYAAAAAAAAAAAAAAAAAAAAAAAAAAAAAAAAAAAAAAAAAAAAAAAAAAAAAAAAAAAAAAA/AAAAAAAAAKCGAQAAAAAAAAAAAAAAAAAMAAAAAQAAAAAAAAAAAAAAAAAAAB8AAABUAAAAAAAABQAAAAEAAAAAAAAAAAAAAAAAAAAAAAAAAAAAAAAAAAAAAAAAAAAAAAJ/f38AAAAAA8zMzADAwP8Af39/AAAAAAAAAAAAAAAAAAAAAAAAAAAAIQAAABgAAAAUAAAA+DQAABonAADYRQAAWSkAABAAAAAmAAAACAAAAAAAAAAAAAAAMAAAABQAAAAAAAAAAAD//wAAAQAAAP//AAABAA=="/>
               </a:ext>
             </a:extLst>
           </p:cNvSpPr>
@@ -4178,7 +4178,7 @@
             <a:spLocks noGrp="1" noChangeArrowheads="1"/>
             <a:extLst>
               <a:ext uri="smNativeData">
-                <pr:smNativeData xmlns="smNativeData" xmlns:pr="smNativeData" xmlns:p15="http://schemas.microsoft.com/office/powerpoint/2012/main" xmlns:p14="http://schemas.microsoft.com/office/powerpoint/2010/main" xmlns:mc="http://schemas.openxmlformats.org/markup-compatibility/2006" val="SMDATA_16_xzE7ZxMAAAAlAAAAZAAAAA0AAAAAkAAAAEgAAACQAAAASAAAAAAAAAABAAAAAAAAAAEAAABQAAAAAAAAAAAA4D8AAAAAAADgPwAAAAAAAOA/AAAAAAAA4D8AAAAAAADgPwAAAAAAAOA/AAAAAAAA4D8AAAAAAADgPwAAAAAAAOA/AAAAAAAA4D8CAAAAjAAAAAAAAAAAAAAA////AP///wgAAAAAAAAAAAAAAAAAAAAAAAAAAAAAAAAAAAAAeAAAAAEAAABAAAAAAAAAAAAAAABaAAAAAAAAAAAAAAAAAAAAAAAAAAAAAAAAAAAAAAAAAAAAAAAAAAAAAAAAAAAAAAAAAAAAAAAAAAAAAAAAAAAAAAAAAAAAAAAAAAAAFAAAADwAAAAAAAAAAAAAAAAAAAAPAAAAAQAAACMAAAAjAAAAIwAAAB4AAAAAAAAAZAAAAGQAAAAAAAAAZAAAAGQAAAAVAAAAYAAAAAAAAAAAAAAADwAAACADAAAAAAAAAAAAAAEAAACgMgAAVgcAAKr4//8BAAAAf39/AAEAAABkAAAAAAAAABQAAABAHwAAAAAAACYAAAAAAAAAwOD//wAAAAAmAAAAZAAAABYAAABMAAAAAAAAAAAAAAAEAAAAAAAAAAEAAADn5uYKAAAAACgAAAAoAAAAZAAAAGQAAAAAAAAAzMzMAAAAAABQAAAAUAAAAGQAAABkAAAAAAAAABcAAAAUAAAAAAAAAAAAAAD/fwAA/38AAAAAAAAJAAAABAAAAAAAAAAeAAAAaAAAAAAAAAAAAAAAAAAAAAAAAAAAAAAAECcAABAnAAAAAAAAAAAAAAAAAAAAAAAAAAAAAAAAAAAAAAAAAAAAABQAAAAAAAAAwMD/AAAAAABkAAAAMgAAAAAAAABkAAAAAAAAAH9/fwAKAAAAIgAAABgAAAAAAAAAAAAAAAAAAAAAAAAAAAAAAAAAAAAkAAAAJAAAAAAAAAAHAAAAAAAAAAAAAAAAAAAAAAAAAAAAAAAAAAAAf39/ACUAAABYAAAAAAAAAAAAAAAAAAAAAAAAAAAAAAAAAAAAAAAAAAAAAAAAAAAAAAAAAAAAAAA/AAAAAAAAAKCGAQAAAAAAAAAAAAAAAAAMAAAAAQAAAAAAAAAAAAAAAAAAAB8AAABUAAAA////AAAAAAEAAAAAAAAAAAAAAAAAAAAAAAAAAAAAAAAAAAAAAAAAAAAAAAB/f38AAAAAA8zMzADAwP8Af39/AAAAAAAAAAAAAAAAAAAAAAAAAAAAIQAAABgAAAAUAAAAKAUAAD8CAADYRQAAZwoAABAAAAAmAAAACAAAAL8vAAAAAAAAMAAAABQAAAAAAAAAAAD//wAAAQAAAP//AAABAA=="/>
+                <pr:smNativeData xmlns:mc="http://schemas.openxmlformats.org/markup-compatibility/2006" xmlns:p14="http://schemas.microsoft.com/office/powerpoint/2010/main" xmlns:p15="http://schemas.microsoft.com/office/powerpoint/2012/main" xmlns:pr="smNativeData" xmlns="smNativeData" val="SMDATA_16_xzE7ZxMAAAAlAAAAZAAAAA0AAAAAkAAAAEgAAACQAAAASAAAAAAAAAABAAAAAAAAAAEAAABQAAAAAAAAAAAA4D8AAAAAAADgPwAAAAAAAOA/AAAAAAAA4D8AAAAAAADgPwAAAAAAAOA/AAAAAAAA4D8AAAAAAADgPwAAAAAAAOA/AAAAAAAA4D8CAAAAjAAAAAAAAAAAAAAA////AP///wgAAAAAAAAAAAAAAAAAAAAAAAAAAAAAAAAAAAAAeAAAAAEAAABAAAAAAAAAAAAAAABaAAAAAAAAAAAAAAAAAAAAAAAAAAAAAAAAAAAAAAAAAAAAAAAAAAAAAAAAAAAAAAAAAAAAAAAAAAAAAAAAAAAAAAAAAAAAAAAAAAAAFAAAADwAAAAAAAAAAAAAAAAAAAAPAAAAAQAAACMAAAAjAAAAIwAAAB4AAAAAAAAAZAAAAGQAAAAAAAAAZAAAAGQAAAAVAAAAYAAAAAAAAAAAAAAADwAAACADAAAAAAAAAAAAAAEAAACgMgAAVgcAAKr4//8BAAAAf39/AAEAAABkAAAAAAAAABQAAABAHwAAAAAAACYAAAAAAAAAwOD//wAAAAAmAAAAZAAAABYAAABMAAAAAAAAAAAAAAAEAAAAAAAAAAEAAADn5uYKAAAAACgAAAAoAAAAZAAAAGQAAAAAAAAAzMzMAAAAAABQAAAAUAAAAGQAAABkAAAAAAAAABcAAAAUAAAAAAAAAAAAAAD/fwAA/38AAAAAAAAJAAAABAAAAAAAAAAeAAAAaAAAAAAAAAAAAAAAAAAAAAAAAAAAAAAAECcAABAnAAAAAAAAAAAAAAAAAAAAAAAAAAAAAAAAAAAAAAAAAAAAABQAAAAAAAAAwMD/AAAAAABkAAAAMgAAAAAAAABkAAAAAAAAAH9/fwAKAAAAIgAAABgAAAAAAAAAAAAAAAAAAAAAAAAAAAAAAAAAAAAkAAAAJAAAAAAAAAAHAAAAAAAAAAAAAAAAAAAAAAAAAAAAAAAAAAAAf39/ACUAAABYAAAAAAAAAAAAAAAAAAAAAAAAAAAAAAAAAAAAAAAAAAAAAAAAAAAAAAAAAAAAAAA/AAAAAAAAAKCGAQAAAAAAAAAAAAAAAAAMAAAAAQAAAAAAAAAAAAAAAAAAAB8AAABUAAAA////AAAAAAEAAAAAAAAAAAAAAAAAAAAAAAAAAAAAAAAAAAAAAAAAAAAAAAB/f38AAAAAA8zMzADAwP8Af39/AAAAAAAAAAAAAAAAAAAAAAAAAAAAIQAAABgAAAAUAAAAKAUAAD8CAADYRQAAZwoAABAAAAAmAAAACAAAAL8vAAAAAAAAMAAAABQAAAAAAAAAAAD//wAAAQAAAP//AAABAA=="/>
               </a:ext>
             </a:extLst>
           </p:cNvSpPr>
@@ -4219,7 +4219,7 @@
             <a:spLocks noGrp="1" noChangeArrowheads="1"/>
             <a:extLst>
               <a:ext uri="smNativeData">
-                <pr:smNativeData xmlns="smNativeData" xmlns:pr="smNativeData" xmlns:p15="http://schemas.microsoft.com/office/powerpoint/2012/main" xmlns:p14="http://schemas.microsoft.com/office/powerpoint/2010/main" xmlns:mc="http://schemas.openxmlformats.org/markup-compatibility/2006" val="SMDATA_16_xzE7ZxMAAAAlAAAAZAAAAA0AAAAAkAAAAEgAAACQAAAASAAAAAAAAAAAAAAAAAAAAAEAAABQAAAAAAAAAAAA4D8AAAAAAADgPwAAAAAAAOA/AAAAAAAA4D8AAAAAAADgPwAAAAAAAOA/AAAAAAAA4D8AAAAAAADgPwAAAAAAAOA/AAAAAAAA4D8CAAAAjAAAAAAAAAAAAAAA////AP///wgAAAAAAAAAAAAAAAAAAAAAAAAAAAAAAAAAAAAAeAAAAAEAAABAAAAAAAAAAAAAAABaAAAAAAAAAAAAAAAAAAAAAAAAAAAAAAAAAAAAAAAAAAAAAAAAAAAAAAAAAAAAAAAAAAAAAAAAAAAAAAAAAAAAAAAAAAAAAAAAAAAAFAAAADwAAAAAAAAAAAAAAAAAAAAPAAAAAQAAACMAAAAjAAAAIwAAAB4AAAAAAAAAZAAAAGQAAAAAAAAAZAAAAGQAAAAVAAAAYAAAAAAAAAAAAAAADwAAACADAAAAAAAAAAAAAAEAAACgMgAAVgcAAKr4//8BAAAAf39/AAEAAABkAAAAAAAAABQAAABAHwAAAAAAACYAAAAAAAAAwOD//wAAAAAmAAAAZAAAABYAAABMAAAAAAAAAAAAAAAEAAAAAAAAAAEAAADn5uYKAAAAACgAAAAoAAAAZAAAAGQAAAAAAAAAzMzMAAAAAABQAAAAUAAAAGQAAABkAAAAAAAAABcAAAAUAAAAAAAAAAAAAAD/fwAA/38AAAAAAAAJAAAABAAAAAAAAAAeAAAAaAAAAAAAAAAAAAAAAAAAAAAAAAAAAAAAECcAABAnAAAAAAAAAAAAAAAAAAAAAAAAAAAAAAAAAAAAAAAAAAAAABQAAAAAAAAAwMD/AAAAAABkAAAAMgAAAAAAAABkAAAAAAAAAH9/fwAKAAAAIgAAABgAAAAAAAAAAAAAAAAAAAAAAAAAAAAAAAAAAAAkAAAAJAAAAAAAAAAHAAAAAAAAAAAAAAAAAAAAAAAAAAAAAAAAAAAAf39/ACUAAABYAAAAAAAAAAAAAAAAAAAAAAAAAAAAAAAAAAAAAAAAAAAAAAAAAAAAAAAAAAAAAAA/AAAAAAAAAKCGAQAAAAAAAAAAAAAAAAAMAAAAAQAAAAAAAAAAAAAAAAAAAB8AAABUAAAA////AAAAAAEAAAAAAAAAAAAAAAAAAAAAAAAAAAAAAAAAAAAAAAAAAAAAAAB/f38AAAAAA8zMzADAwP8Af39/AAAAAAAAAAAAAAAAAAAAAAAAAAAAIQAAABgAAAAUAAAAKAUAADsLAADYRQAAACYAABAAAAAmAAAACAAAAD8vAAAAAAAAMAAAABQAAAAAAAAAAAD//wAAAQAAAP//AAABAA=="/>
+                <pr:smNativeData xmlns:mc="http://schemas.openxmlformats.org/markup-compatibility/2006" xmlns:p14="http://schemas.microsoft.com/office/powerpoint/2010/main" xmlns:p15="http://schemas.microsoft.com/office/powerpoint/2012/main" xmlns:pr="smNativeData" xmlns="smNativeData" val="SMDATA_16_xzE7ZxMAAAAlAAAAZAAAAA0AAAAAkAAAAEgAAACQAAAASAAAAAAAAAAAAAAAAAAAAAEAAABQAAAAAAAAAAAA4D8AAAAAAADgPwAAAAAAAOA/AAAAAAAA4D8AAAAAAADgPwAAAAAAAOA/AAAAAAAA4D8AAAAAAADgPwAAAAAAAOA/AAAAAAAA4D8CAAAAjAAAAAAAAAAAAAAA////AP///wgAAAAAAAAAAAAAAAAAAAAAAAAAAAAAAAAAAAAAeAAAAAEAAABAAAAAAAAAAAAAAABaAAAAAAAAAAAAAAAAAAAAAAAAAAAAAAAAAAAAAAAAAAAAAAAAAAAAAAAAAAAAAAAAAAAAAAAAAAAAAAAAAAAAAAAAAAAAAAAAAAAAFAAAADwAAAAAAAAAAAAAAAAAAAAPAAAAAQAAACMAAAAjAAAAIwAAAB4AAAAAAAAAZAAAAGQAAAAAAAAAZAAAAGQAAAAVAAAAYAAAAAAAAAAAAAAADwAAACADAAAAAAAAAAAAAAEAAACgMgAAVgcAAKr4//8BAAAAf39/AAEAAABkAAAAAAAAABQAAABAHwAAAAAAACYAAAAAAAAAwOD//wAAAAAmAAAAZAAAABYAAABMAAAAAAAAAAAAAAAEAAAAAAAAAAEAAADn5uYKAAAAACgAAAAoAAAAZAAAAGQAAAAAAAAAzMzMAAAAAABQAAAAUAAAAGQAAABkAAAAAAAAABcAAAAUAAAAAAAAAAAAAAD/fwAA/38AAAAAAAAJAAAABAAAAAAAAAAeAAAAaAAAAAAAAAAAAAAAAAAAAAAAAAAAAAAAECcAABAnAAAAAAAAAAAAAAAAAAAAAAAAAAAAAAAAAAAAAAAAAAAAABQAAAAAAAAAwMD/AAAAAABkAAAAMgAAAAAAAABkAAAAAAAAAH9/fwAKAAAAIgAAABgAAAAAAAAAAAAAAAAAAAAAAAAAAAAAAAAAAAAkAAAAJAAAAAAAAAAHAAAAAAAAAAAAAAAAAAAAAAAAAAAAAAAAAAAAf39/ACUAAABYAAAAAAAAAAAAAAAAAAAAAAAAAAAAAAAAAAAAAAAAAAAAAAAAAAAAAAAAAAAAAAA/AAAAAAAAAKCGAQAAAAAAAAAAAAAAAAAMAAAAAQAAAAAAAAAAAAAAAAAAAB8AAABUAAAA////AAAAAAEAAAAAAAAAAAAAAAAAAAAAAAAAAAAAAAAAAAAAAAAAAAAAAAB/f38AAAAAA8zMzADAwP8Af39/AAAAAAAAAAAAAAAAAAAAAAAAAAAAIQAAABgAAAAUAAAAKAUAADsLAADYRQAAACYAABAAAAAmAAAACAAAAD8vAAAAAAAAMAAAABQAAAAAAAAAAAD//wAAAQAAAP//AAABAA=="/>
               </a:ext>
             </a:extLst>
           </p:cNvSpPr>
@@ -4292,7 +4292,7 @@
             <a:spLocks noGrp="1" noChangeArrowheads="1"/>
             <a:extLst>
               <a:ext uri="smNativeData">
-                <pr:smNativeData xmlns="smNativeData" xmlns:pr="smNativeData" xmlns:p15="http://schemas.microsoft.com/office/powerpoint/2012/main" xmlns:p14="http://schemas.microsoft.com/office/powerpoint/2010/main" xmlns:mc="http://schemas.openxmlformats.org/markup-compatibility/2006" val="SMDATA_16_xzE7ZxMAAAAlAAAAZAAAAA0AAAAAkAAAAEgAAACQAAAASAAAAAAAAAABAAAAAAAAAAEAAABQAAAAAAAAAAAA4D8AAAAAAADgPwAAAAAAAOA/AAAAAAAA4D8AAAAAAADgPwAAAAAAAOA/AAAAAAAA4D8AAAAAAADgPwAAAAAAAOA/AAAAAAAA4D8CAAAAjAAAAAAAAAAAAAAA////AP///wgAAAAAAAAAAAAAAAAAAAAAAAAAAAAAAAAAAAAAeAAAAAEAAABAAAAAAAAAAAAAAABaAAAAAAAAAAAAAAAAAAAAAAAAAAAAAAAAAAAAAAAAAAAAAAAAAAAAAAAAAAAAAAAAAAAAAAAAAAAAAAAAAAAAAAAAAAAAAAAAAAAAFAAAADwAAAAAAAAAAAAAAAAAAAAPAAAAAQAAACMAAAAjAAAAIwAAAB4AAAAAAAAAZAAAAGQAAAAAAAAAZAAAAGQAAAAVAAAAYAAAAAAAAAAAAAAADwAAACADAAAAAAAAAAAAAAEAAACgMgAAVgcAAKr4//8BAAAAf39/AAEAAABkAAAAAAAAABQAAABAHwAAAAAAACYAAAAAAAAAwOD//wAAAAAmAAAAZAAAABYAAABMAAAAAAAAAAAAAAAEAAAAAAAAAAEAAADn5uYKAAAAACgAAAAoAAAAZAAAAGQAAAAAAAAAzMzMAAAAAABQAAAAUAAAAGQAAABkAAAAAAAAABcAAAAUAAAAAAAAAAAAAAD/fwAA/38AAAAAAAAJAAAABAAAAHiYZxAeAAAAaAAAAAAAAAAAAAAAAAAAAAAAAAAAAAAAECcAABAnAAAAAAAAAAAAAAAAAAAAAAAAAAAAAAAAAAAAAAAAAAAAABQAAAAAAAAAwMD/AAAAAABkAAAAMgAAAAAAAABkAAAAAAAAAH9/fwAKAAAAIgAAABgAAAAAAAAAAAAAAAAAAAAAAAAAAAAAAAAAAAAkAAAAJAAAAAAAAAAHAAAAAAAAAAAAAAAAAAAAAAAAAAAAAAAAAAAAf39/ACUAAABYAAAAAAAAAAAAAAAAAAAAAAAAAAAAAAAAAAAAAAAAAAAAAAAAAAAAAAAAAAAAAAA/AAAAAAAAAKCGAQAAAAAAAAAAAAAAAAAMAAAAAQAAAAAAAAAAAAAAAAAAAB8AAABUAAAA////AAAAAAEAAAAAAAAAAAAAAAAAAAAAAAAAAAAAAAAAAAAAAAAAAAAAAAB/f38AAAAAA8zMzADAwP8Af39/AAAAAAAAAAAAAAAAAAAAAAAAAAAAIQAAABgAAAAUAAAAKAUAABonAAAIFgAAWSkAABAAAAAmAAAACAAAAL+PAAAAAAAAMAAAABQAAAAAAAAAAAD//wAAAQAAAP//AAABAA=="/>
+                <pr:smNativeData xmlns:mc="http://schemas.openxmlformats.org/markup-compatibility/2006" xmlns:p14="http://schemas.microsoft.com/office/powerpoint/2010/main" xmlns:p15="http://schemas.microsoft.com/office/powerpoint/2012/main" xmlns:pr="smNativeData" xmlns="smNativeData" val="SMDATA_16_xzE7ZxMAAAAlAAAAZAAAAA0AAAAAkAAAAEgAAACQAAAASAAAAAAAAAABAAAAAAAAAAEAAABQAAAAAAAAAAAA4D8AAAAAAADgPwAAAAAAAOA/AAAAAAAA4D8AAAAAAADgPwAAAAAAAOA/AAAAAAAA4D8AAAAAAADgPwAAAAAAAOA/AAAAAAAA4D8CAAAAjAAAAAAAAAAAAAAA////AP///wgAAAAAAAAAAAAAAAAAAAAAAAAAAAAAAAAAAAAAeAAAAAEAAABAAAAAAAAAAAAAAABaAAAAAAAAAAAAAAAAAAAAAAAAAAAAAAAAAAAAAAAAAAAAAAAAAAAAAAAAAAAAAAAAAAAAAAAAAAAAAAAAAAAAAAAAAAAAAAAAAAAAFAAAADwAAAAAAAAAAAAAAAAAAAAPAAAAAQAAACMAAAAjAAAAIwAAAB4AAAAAAAAAZAAAAGQAAAAAAAAAZAAAAGQAAAAVAAAAYAAAAAAAAAAAAAAADwAAACADAAAAAAAAAAAAAAEAAACgMgAAVgcAAKr4//8BAAAAf39/AAEAAABkAAAAAAAAABQAAABAHwAAAAAAACYAAAAAAAAAwOD//wAAAAAmAAAAZAAAABYAAABMAAAAAAAAAAAAAAAEAAAAAAAAAAEAAADn5uYKAAAAACgAAAAoAAAAZAAAAGQAAAAAAAAAzMzMAAAAAABQAAAAUAAAAGQAAABkAAAAAAAAABcAAAAUAAAAAAAAAAAAAAD/fwAA/38AAAAAAAAJAAAABAAAAHiYZxAeAAAAaAAAAAAAAAAAAAAAAAAAAAAAAAAAAAAAECcAABAnAAAAAAAAAAAAAAAAAAAAAAAAAAAAAAAAAAAAAAAAAAAAABQAAAAAAAAAwMD/AAAAAABkAAAAMgAAAAAAAABkAAAAAAAAAH9/fwAKAAAAIgAAABgAAAAAAAAAAAAAAAAAAAAAAAAAAAAAAAAAAAAkAAAAJAAAAAAAAAAHAAAAAAAAAAAAAAAAAAAAAAAAAAAAAAAAAAAAf39/ACUAAABYAAAAAAAAAAAAAAAAAAAAAAAAAAAAAAAAAAAAAAAAAAAAAAAAAAAAAAAAAAAAAAA/AAAAAAAAAKCGAQAAAAAAAAAAAAAAAAAMAAAAAQAAAAAAAAAAAAAAAAAAAB8AAABUAAAA////AAAAAAEAAAAAAAAAAAAAAAAAAAAAAAAAAAAAAAAAAAAAAAAAAAAAAAB/f38AAAAAA8zMzADAwP8Af39/AAAAAAAAAAAAAAAAAAAAAAAAAAAAIQAAABgAAAAUAAAAKAUAABonAAAIFgAAWSkAABAAAAAmAAAACAAAAL+PAAAAAAAAMAAAABQAAAAAAAAAAAD//wAAAQAAAP//AAABAA=="/>
               </a:ext>
             </a:extLst>
           </p:cNvSpPr>
@@ -4366,7 +4366,7 @@
             <a:spLocks noGrp="1" noChangeArrowheads="1"/>
             <a:extLst>
               <a:ext uri="smNativeData">
-                <pr:smNativeData xmlns="smNativeData" xmlns:pr="smNativeData" xmlns:p15="http://schemas.microsoft.com/office/powerpoint/2012/main" xmlns:p14="http://schemas.microsoft.com/office/powerpoint/2010/main" xmlns:mc="http://schemas.openxmlformats.org/markup-compatibility/2006" val="SMDATA_16_xzE7ZxMAAAAlAAAAZAAAAA0AAAAAkAAAAEgAAACQAAAASAAAAAAAAAABAAAAAAAAAAEAAABQAAAAAAAAAAAA4D8AAAAAAADgPwAAAAAAAOA/AAAAAAAA4D8AAAAAAADgPwAAAAAAAOA/AAAAAAAA4D8AAAAAAADgPwAAAAAAAOA/AAAAAAAA4D8CAAAAjAAAAAAAAAAAAAAA////AP///wgAAAAAAAAAAAAAAAAAAAAAAAAAAAAAAAAAAAAAeAAAAAEAAABAAAAAAAAAAAAAAABaAAAAAAAAAAAAAAAAAAAAAAAAAAAAAAAAAAAAAAAAAAAAAAAAAAAAAAAAAAAAAAAAAAAAAAAAAAAAAAAAAAAAAAAAAAAAAAAAAAAAFAAAADwAAAAAAAAAAAAAAAAAAAAPAAAAAQAAACMAAAAjAAAAIwAAAB4AAAAAAAAAZAAAAGQAAAAAAAAAZAAAAGQAAAAVAAAAYAAAAAAAAAAAAAAADwAAACADAAAAAAAAAAAAAAEAAACgMgAAVgcAAKr4//8BAAAAf39/AAEAAABkAAAAAAAAABQAAABAHwAAAAAAACYAAAAAAAAAwOD//wAAAAAmAAAAZAAAABYAAABMAAAAAAAAAAAAAAAEAAAAAAAAAAEAAADn5uYKAAAAACgAAAAoAAAAZAAAAGQAAAAAAAAAzMzMAAAAAABQAAAAUAAAAGQAAABkAAAAAAAAABcAAAAUAAAAAAAAAAAAAAD/fwAA/38AAAAAAAAJAAAABAAAAGwAZQAeAAAAaAAAAAAAAAAAAAAAAAAAAAAAAAAAAAAAECcAABAnAAAAAAAAAAAAAAAAAAAAAAAAAAAAAAAAAAAAAAAAAAAAABQAAAAAAAAAwMD/AAAAAABkAAAAMgAAAAAAAABkAAAAAAAAAH9/fwAKAAAAIgAAABgAAAAAAAAAAAAAAAAAAAAAAAAAAAAAAAAAAAAkAAAAJAAAAAAAAAAHAAAAAAAAAAAAAAAAAAAAAAAAAAAAAAAAAAAAf39/ACUAAABYAAAAAAAAAAAAAAAAAAAAAAAAAAAAAAAAAAAAAAAAAAAAAAAAAAAAAAAAAAAAAAA/AAAAAAAAAKCGAQAAAAAAAAAAAAAAAAAMAAAAAQAAAAAAAAAAAAAAAAAAAB8AAABUAAAA////AAAAAAEAAAAAAAAAAAAAAAAAAAAAAAAAAAAAAAAAAAAAAAAAAAAAAAB/f38AAAAAA8zMzADAwP8Af39/AAAAAAAAAAAAAAAAAAAAAAAAAAAAIQAAABgAAAAUAAAA2BgAABonAAAoMgAAWSkAABAAAAAmAAAACAAAAL+PAAAAAAAAMAAAABQAAAAAAAAAAAD//wAAAQAAAP//AAABAA=="/>
+                <pr:smNativeData xmlns:mc="http://schemas.openxmlformats.org/markup-compatibility/2006" xmlns:p14="http://schemas.microsoft.com/office/powerpoint/2010/main" xmlns:p15="http://schemas.microsoft.com/office/powerpoint/2012/main" xmlns:pr="smNativeData" xmlns="smNativeData" val="SMDATA_16_xzE7ZxMAAAAlAAAAZAAAAA0AAAAAkAAAAEgAAACQAAAASAAAAAAAAAABAAAAAAAAAAEAAABQAAAAAAAAAAAA4D8AAAAAAADgPwAAAAAAAOA/AAAAAAAA4D8AAAAAAADgPwAAAAAAAOA/AAAAAAAA4D8AAAAAAADgPwAAAAAAAOA/AAAAAAAA4D8CAAAAjAAAAAAAAAAAAAAA////AP///wgAAAAAAAAAAAAAAAAAAAAAAAAAAAAAAAAAAAAAeAAAAAEAAABAAAAAAAAAAAAAAABaAAAAAAAAAAAAAAAAAAAAAAAAAAAAAAAAAAAAAAAAAAAAAAAAAAAAAAAAAAAAAAAAAAAAAAAAAAAAAAAAAAAAAAAAAAAAAAAAAAAAFAAAADwAAAAAAAAAAAAAAAAAAAAPAAAAAQAAACMAAAAjAAAAIwAAAB4AAAAAAAAAZAAAAGQAAAAAAAAAZAAAAGQAAAAVAAAAYAAAAAAAAAAAAAAADwAAACADAAAAAAAAAAAAAAEAAACgMgAAVgcAAKr4//8BAAAAf39/AAEAAABkAAAAAAAAABQAAABAHwAAAAAAACYAAAAAAAAAwOD//wAAAAAmAAAAZAAAABYAAABMAAAAAAAAAAAAAAAEAAAAAAAAAAEAAADn5uYKAAAAACgAAAAoAAAAZAAAAGQAAAAAAAAAzMzMAAAAAABQAAAAUAAAAGQAAABkAAAAAAAAABcAAAAUAAAAAAAAAAAAAAD/fwAA/38AAAAAAAAJAAAABAAAAGwAZQAeAAAAaAAAAAAAAAAAAAAAAAAAAAAAAAAAAAAAECcAABAnAAAAAAAAAAAAAAAAAAAAAAAAAAAAAAAAAAAAAAAAAAAAABQAAAAAAAAAwMD/AAAAAABkAAAAMgAAAAAAAABkAAAAAAAAAH9/fwAKAAAAIgAAABgAAAAAAAAAAAAAAAAAAAAAAAAAAAAAAAAAAAAkAAAAJAAAAAAAAAAHAAAAAAAAAAAAAAAAAAAAAAAAAAAAAAAAAAAAf39/ACUAAABYAAAAAAAAAAAAAAAAAAAAAAAAAAAAAAAAAAAAAAAAAAAAAAAAAAAAAAAAAAAAAAA/AAAAAAAAAKCGAQAAAAAAAAAAAAAAAAAMAAAAAQAAAAAAAAAAAAAAAAAAAB8AAABUAAAA////AAAAAAEAAAAAAAAAAAAAAAAAAAAAAAAAAAAAAAAAAAAAAAAAAAAAAAB/f38AAAAAA8zMzADAwP8Af39/AAAAAAAAAAAAAAAAAAAAAAAAAAAAIQAAABgAAAAUAAAA2BgAABonAAAoMgAAWSkAABAAAAAmAAAACAAAAL+PAAAAAAAAMAAAABQAAAAAAAAAAAD//wAAAQAAAP//AAABAA=="/>
               </a:ext>
             </a:extLst>
           </p:cNvSpPr>
@@ -4437,7 +4437,7 @@
             <a:spLocks noGrp="1" noChangeArrowheads="1"/>
             <a:extLst>
               <a:ext uri="smNativeData">
-                <pr:smNativeData xmlns="smNativeData" xmlns:pr="smNativeData" xmlns:p15="http://schemas.microsoft.com/office/powerpoint/2012/main" xmlns:p14="http://schemas.microsoft.com/office/powerpoint/2010/main" xmlns:mc="http://schemas.openxmlformats.org/markup-compatibility/2006" val="SMDATA_16_xzE7ZxMAAAAlAAAAZAAAAA0AAAAAkAAAAEgAAACQAAAASAAAAAAAAAABAAAAAAAAAAEAAABQAAAAAAAAAAAA4D8AAAAAAADgPwAAAAAAAOA/AAAAAAAA4D8AAAAAAADgPwAAAAAAAOA/AAAAAAAA4D8AAAAAAADgPwAAAAAAAOA/AAAAAAAA4D8CAAAAjAAAAAAAAAAAAAAA////AP///wgAAAAAAAAAAAAAAAAAAAAAAAAAAAAAAAAAAAAAeAAAAAEAAABAAAAAAAAAAAAAAABaAAAAAAAAAAAAAAAAAAAAAAAAAAAAAAAAAAAAAAAAAAAAAAAAAAAAAAAAAAAAAAAAAAAAAAAAAAAAAAAAAAAAAAAAAAAAAAAAAAAAFAAAADwAAAAAAAAAAAAAAAAAAAAPAAAAAQAAACMAAAAjAAAAIwAAAB4AAAAAAAAAZAAAAGQAAAAAAAAAZAAAAGQAAAAVAAAAYAAAAAAAAAAAAAAADwAAACADAAAAAAAAAAAAAAEAAACgMgAAVgcAAKr4//8BAAAAf39/AAEAAABkAAAAAAAAABQAAABAHwAAAAAAACYAAAAAAAAAwOD//wAAAAAmAAAAZAAAABYAAABMAAAAAAAAAAAAAAAEAAAAAAAAAAEAAADn5uYKAAAAACgAAAAoAAAAZAAAAGQAAAAAAAAAzMzMAAAAAABQAAAAUAAAAGQAAABkAAAAAAAAABcAAAAUAAAAAAAAAAAAAAD/fwAA/38AAAAAAAAJAAAABAAAAAAAAAAeAAAAaAAAAAAAAAAAAAAAAAAAAAAAAAAAAAAAECcAABAnAAAAAAAAAAAAAAAAAAAAAAAAAAAAAAAAAAAAAAAAAAAAABQAAAAAAAAAwMD/AAAAAABkAAAAMgAAAAAAAABkAAAAAAAAAH9/fwAKAAAAIgAAABgAAAAAAAAAAAAAAAAAAAAAAAAAAAAAAAAAAAAkAAAAJAAAAAAAAAAHAAAAAAAAAAAAAAAAAAAAAAAAAAAAAAAAAAAAf39/ACUAAABYAAAAAAAAAAAAAAAAAAAAAAAAAAAAAAAAAAAAAAAAAAAAAAAAAAAAAAAAAAAAAAA/AAAAAAAAAKCGAQAAAAAAAAAAAAAAAAAMAAAAAQAAAAAAAAAAAAAAAAAAAB8AAABUAAAA////AAAAAAEAAAAAAAAAAAAAAAAAAAAAAAAAAAAAAAAAAAAAAAAAAAAAAAB/f38AAAAAA8zMzADAwP8Af39/AAAAAAAAAAAAAAAAAAAAAAAAAAAAIQAAABgAAAAUAAAA+DQAABonAADYRQAAWSkAABAAAAAmAAAACAAAAL+PAAAAAAAAMAAAABQAAAAAAAAAAAD//wAAAQAAAP//AAABAA=="/>
+                <pr:smNativeData xmlns:mc="http://schemas.openxmlformats.org/markup-compatibility/2006" xmlns:p14="http://schemas.microsoft.com/office/powerpoint/2010/main" xmlns:p15="http://schemas.microsoft.com/office/powerpoint/2012/main" xmlns:pr="smNativeData" xmlns="smNativeData" val="SMDATA_16_xzE7ZxMAAAAlAAAAZAAAAA0AAAAAkAAAAEgAAACQAAAASAAAAAAAAAABAAAAAAAAAAEAAABQAAAAAAAAAAAA4D8AAAAAAADgPwAAAAAAAOA/AAAAAAAA4D8AAAAAAADgPwAAAAAAAOA/AAAAAAAA4D8AAAAAAADgPwAAAAAAAOA/AAAAAAAA4D8CAAAAjAAAAAAAAAAAAAAA////AP///wgAAAAAAAAAAAAAAAAAAAAAAAAAAAAAAAAAAAAAeAAAAAEAAABAAAAAAAAAAAAAAABaAAAAAAAAAAAAAAAAAAAAAAAAAAAAAAAAAAAAAAAAAAAAAAAAAAAAAAAAAAAAAAAAAAAAAAAAAAAAAAAAAAAAAAAAAAAAAAAAAAAAFAAAADwAAAAAAAAAAAAAAAAAAAAPAAAAAQAAACMAAAAjAAAAIwAAAB4AAAAAAAAAZAAAAGQAAAAAAAAAZAAAAGQAAAAVAAAAYAAAAAAAAAAAAAAADwAAACADAAAAAAAAAAAAAAEAAACgMgAAVgcAAKr4//8BAAAAf39/AAEAAABkAAAAAAAAABQAAABAHwAAAAAAACYAAAAAAAAAwOD//wAAAAAmAAAAZAAAABYAAABMAAAAAAAAAAAAAAAEAAAAAAAAAAEAAADn5uYKAAAAACgAAAAoAAAAZAAAAGQAAAAAAAAAzMzMAAAAAABQAAAAUAAAAGQAAABkAAAAAAAAABcAAAAUAAAAAAAAAAAAAAD/fwAA/38AAAAAAAAJAAAABAAAAAAAAAAeAAAAaAAAAAAAAAAAAAAAAAAAAAAAAAAAAAAAECcAABAnAAAAAAAAAAAAAAAAAAAAAAAAAAAAAAAAAAAAAAAAAAAAABQAAAAAAAAAwMD/AAAAAABkAAAAMgAAAAAAAABkAAAAAAAAAH9/fwAKAAAAIgAAABgAAAAAAAAAAAAAAAAAAAAAAAAAAAAAAAAAAAAkAAAAJAAAAAAAAAAHAAAAAAAAAAAAAAAAAAAAAAAAAAAAAAAAAAAAf39/ACUAAABYAAAAAAAAAAAAAAAAAAAAAAAAAAAAAAAAAAAAAAAAAAAAAAAAAAAAAAAAAAAAAAA/AAAAAAAAAKCGAQAAAAAAAAAAAAAAAAAMAAAAAQAAAAAAAAAAAAAAAAAAAB8AAABUAAAA////AAAAAAEAAAAAAAAAAAAAAAAAAAAAAAAAAAAAAAAAAAAAAAAAAAAAAAB/f38AAAAAA8zMzADAwP8Af39/AAAAAAAAAAAAAAAAAAAAAAAAAAAAIQAAABgAAAAUAAAA+DQAABonAADYRQAAWSkAABAAAAAmAAAACAAAAL+PAAAAAAAAMAAAABQAAAAAAAAAAAD//wAAAQAAAP//AAABAA=="/>
               </a:ext>
             </a:extLst>
           </p:cNvSpPr>
@@ -5177,7 +5177,7 @@
             <a:picLocks noChangeAspect="1"/>
             <a:extLst>
               <a:ext uri="smNativeData">
-                <pr:smNativeData xmlns="smNativeData" xmlns:pr="smNativeData" xmlns:p15="http://schemas.microsoft.com/office/powerpoint/2012/main" xmlns:p14="http://schemas.microsoft.com/office/powerpoint/2010/main" xmlns:mc="http://schemas.openxmlformats.org/markup-compatibility/2006" val="SMDATA_18_xzE7ZxMAAAAlAAAAEQAAAC8BAAAAkAAAAEgAAACQAAAASAAAAAAAAAAAAAAAAAAAAAEAAABQAAAAAAAAAAAA4D8AAAAAAADgPwAAAAAAAOA/AAAAAAAA4D8AAAAAAADgPwAAAAAAAOA/AAAAAAAA4D8AAAAAAADgPwAAAAAAAOA/AAAAAAAA4D8CAAAAjAAAAAAAAAAAAAAARHLEDP///wgAAAAAAAAAAAAAAAAAAAAAAAAAAAAAAAAAAAAAZAAAAAEAAABAAAAAAAAAAAAAAAAAAAAAAAAAAAAAAAAAAAAAAAAAAAAAAAAAAAAAAAAAAAAAAAAAAAAAAAAAAAAAAAAAAAAAAAAAAAAAAAAAAAAAAAAAAAAAAAAAAAAAFAAAADwAAAAAAAAAAAAAAAAAAAkUAAAAAQAAABQAAAAUAAAAFAAAAAEAAAAAAAAAZAAAAGQAAAAAAAAAZAAAAGQAAAAVAAAAYAAAAAAAAAAAAAAADwAAACADAAAAAAAAAAAAAAEAAACgMgAAVgcAAKr4//8BAAAAf39/AAEAAABkAAAAAAAAABQAAABAHwAAAAAAACYAAAAAAAAAwOD//wAAAAAmAAAAZAAAABYAAABMAAAAAAAAAAAAAAAEAAAAAAAAAAEAAADn5uYKAAAAACgAAAAoAAAAZAAAAGQAAAAAAAAAzMzMAAAAAABQAAAAUAAAAGQAAABkAAAAAAAAAAcAAAA4AAAAAAAAAAAAAAAAAAAA////AAAAAAAAAAAAAAAAAAAAAAAAAAAAAAAAAAAAAABkAAAAZAAAAAAAAAAjAAAABAAAAGQAAAAXAAAAFAAAAAAAAAAAAAAA/38AAP9/AAAAAAAACQAAAAQAAAAAAAAAHgAAAGgAAAAAAAAAAAAAAAAAAAAAAAAAAAAAABAnAAAQJwAAAAAAAAAAAAAAAAAAAAAAAAAAAAAAAAAAAAAAAAAAAAAUAAAAAAAAAMDA/wAAAAAAZAAAADIAAAAAAAAAZAAAAAAAAAB/f38ACgAAACIAAAAYAAAAAAAAAAAAAAAAAAAAAAAAAAAAAAAAAAAAJAAAACQAAAAAAAAABwAAAAAAAAAAAAAAAAAAAAAAAAAAAAAAAAAAAH9/fwAlAAAAWAAAAAAAAAAAAAAAAAAAAAAAAAAAAAAAAAAAAAAAAAAAAAAAAAAAAAAAAAAAAAAAPwAAAAAAAACghgEAAAAAAAAAAAAAAAAADAAAAAEAAAAAAAAAAAAAAAAAAAAfAAAAVAAAAERyxAX///8BAAAAAAAAAAAAAAAAAAAAAAAAAAAAAAAAAAAAAAAAAAAAAAACf39/AOfm5gPMzMwAwMD/AH9/fwAAAAAAAAAAAAAAAAD///8AAAAAACEAAAAYAAAAFAAAAN4FAAAdFwAAlRcAAEMhAAAQAAAAJgAAAAgAAAD//////////zAAAAAUAAAAAAAAAAAA//8AAAEAAAD//wAAAQA="/>
+                <pr:smNativeData xmlns:mc="http://schemas.openxmlformats.org/markup-compatibility/2006" xmlns:p14="http://schemas.microsoft.com/office/powerpoint/2010/main" xmlns:p15="http://schemas.microsoft.com/office/powerpoint/2012/main" xmlns:pr="smNativeData" xmlns="smNativeData" val="SMDATA_18_xzE7ZxMAAAAlAAAAEQAAAC8BAAAAkAAAAEgAAACQAAAASAAAAAAAAAAAAAAAAAAAAAEAAABQAAAAAAAAAAAA4D8AAAAAAADgPwAAAAAAAOA/AAAAAAAA4D8AAAAAAADgPwAAAAAAAOA/AAAAAAAA4D8AAAAAAADgPwAAAAAAAOA/AAAAAAAA4D8CAAAAjAAAAAAAAAAAAAAARHLEDP///wgAAAAAAAAAAAAAAAAAAAAAAAAAAAAAAAAAAAAAZAAAAAEAAABAAAAAAAAAAAAAAAAAAAAAAAAAAAAAAAAAAAAAAAAAAAAAAAAAAAAAAAAAAAAAAAAAAAAAAAAAAAAAAAAAAAAAAAAAAAAAAAAAAAAAAAAAAAAAAAAAAAAAFAAAADwAAAAAAAAAAAAAAAAAAAkUAAAAAQAAABQAAAAUAAAAFAAAAAEAAAAAAAAAZAAAAGQAAAAAAAAAZAAAAGQAAAAVAAAAYAAAAAAAAAAAAAAADwAAACADAAAAAAAAAAAAAAEAAACgMgAAVgcAAKr4//8BAAAAf39/AAEAAABkAAAAAAAAABQAAABAHwAAAAAAACYAAAAAAAAAwOD//wAAAAAmAAAAZAAAABYAAABMAAAAAAAAAAAAAAAEAAAAAAAAAAEAAADn5uYKAAAAACgAAAAoAAAAZAAAAGQAAAAAAAAAzMzMAAAAAABQAAAAUAAAAGQAAABkAAAAAAAAAAcAAAA4AAAAAAAAAAAAAAAAAAAA////AAAAAAAAAAAAAAAAAAAAAAAAAAAAAAAAAAAAAABkAAAAZAAAAAAAAAAjAAAABAAAAGQAAAAXAAAAFAAAAAAAAAAAAAAA/38AAP9/AAAAAAAACQAAAAQAAAAAAAAAHgAAAGgAAAAAAAAAAAAAAAAAAAAAAAAAAAAAABAnAAAQJwAAAAAAAAAAAAAAAAAAAAAAAAAAAAAAAAAAAAAAAAAAAAAUAAAAAAAAAMDA/wAAAAAAZAAAADIAAAAAAAAAZAAAAAAAAAB/f38ACgAAACIAAAAYAAAAAAAAAAAAAAAAAAAAAAAAAAAAAAAAAAAAJAAAACQAAAAAAAAABwAAAAAAAAAAAAAAAAAAAAAAAAAAAAAAAAAAAH9/fwAlAAAAWAAAAAAAAAAAAAAAAAAAAAAAAAAAAAAAAAAAAAAAAAAAAAAAAAAAAAAAAAAAAAAAPwAAAAAAAACghgEAAAAAAAAAAAAAAAAADAAAAAEAAAAAAAAAAAAAAAAAAAAfAAAAVAAAAERyxAX///8BAAAAAAAAAAAAAAAAAAAAAAAAAAAAAAAAAAAAAAAAAAAAAAACf39/AOfm5gPMzMwAwMD/AH9/fwAAAAAAAAAAAAAAAAD///8AAAAAACEAAAAYAAAAFAAAAN4FAAAdFwAAlRcAAEMhAAAQAAAAJgAAAAgAAAD//////////zAAAAAUAAAAAAAAAAAA//8AAAEAAAD//wAAAQA="/>
               </a:ext>
             </a:extLst>
           </p:cNvPicPr>
@@ -5211,7 +5211,7 @@
             <a:picLocks noChangeAspect="1"/>
             <a:extLst>
               <a:ext uri="smNativeData">
-                <pr:smNativeData xmlns="smNativeData" xmlns:pr="smNativeData" xmlns:p15="http://schemas.microsoft.com/office/powerpoint/2012/main" xmlns:p14="http://schemas.microsoft.com/office/powerpoint/2010/main" xmlns:mc="http://schemas.openxmlformats.org/markup-compatibility/2006" val="SMDATA_18_xzE7ZxMAAAAlAAAAEQAAAC0AAAAAkAAAAEgAAACQAAAASAAAAAAAAAAAAAAAAAAAAAEAAABQAAAAAAAAAAAA4D8AAAAAAADgPwAAAAAAAOA/AAAAAAAA4D8AAAAAAADgPwAAAAAAAOA/AAAAAAAA4D8AAAAAAADgPwAAAAAAAOA/AAAAAAAA4D8CAAAAjAAAAAAAAAAAAAAA////AAAAAAAAAAAAAAAAAAAAAAAAAAAAAAAAAAAAAAAAAAAAZAAAAAEAAABAAAAAAAAAAAAAAAAAAAAAAAAAAAAAAAAAAAAAAAAAAAAAAAAAAAAAAAAAAAAAAAAAAAAAAAAAAAAAAAAAAAAAAAAAAAAAAAAAAAAAAAAAAAAAAAAAAAAAFAAAADwAAAAAAAAAAAAAAAAAAAAPAAAAAQAAACMAAAAjAAAAIwAAAB4AAAAAAAAAZAAAAGQAAAAAAAAAZAAAAGQAAAAVAAAAYAAAAAAAAAAAAAAADwAAACADAAAAAAAAAAAAAAEAAACgMgAAVgcAAKr4//8BAAAAf39/AAEAAABkAAAAAAAAABQAAABAHwAAAAAAACYAAAAAAAAAwOD//wAAAAAmAAAAZAAAABYAAABMAAAAAAAAAAAAAAAEAAAAAAAAAAEAAAB/f38AAAAAACgAAAAoAAAAZAAAAGQAAAAAAAAAzMzMAAAAAABQAAAAUAAAAGQAAABkAAAAAAAAAAcAAAA4AAAAAAAAAAAAAAAAAAAA////AAAAAAAAAAAAAAAAAAAAAAAAAAAAAAAAAAAAAABkAAAAZAAAAAAAAAAjAAAABAAAAGQAAAAXAAAAFAAAAAAAAAAAAAAA/38AAP9/AAAAAAAACQAAAAQAAAAAAAAAHgAAAGgAAAAAAAAAAAAAAAAAAAAAAAAAAAAAABAnAAAQJwAAAAAAAAAAAAAAAAAAAAAAAAAAAAAAAAAAAAAAAAAAAAAUAAAAAAAAAMDA/wAAAAAAZAAAADIAAAAAAAAAZAAAAAAAAAB/f38ACgAAACIAAAAYAAAAAAAAAAAAAAAAAAAAAAAAAAAAAAAAAAAAJAAAACQAAAAAAAAABwAAAAAAAAAAAAAAAAAAAAAAAAAAAAAAAAAAAH9/fwAlAAAAWAAAAAAAAAAAAAAAAAAAAAAAAAAAAAAAAAAAAAAAAAAAAAAAAAAAAAAAAAAAAAAAPwAAAAAAAACghgEAAAAAAAAAAAAAAAAADAAAAAEAAAAAAAAAAAAAAAAAAAAfAAAAVAAAAP///wAAAAAAAAAAAAAAAAAAAAAAAAAAAAAAAAAAAAAAAAAAAAAAAAAAAAAAf39/AH9/fwDMzMwAwMD/AH9/fwAAAAAAAAAAAAAAAAD///8AAAAAACEAAAAYAAAAFAAAANoFAACrAQAAbiYAALsPAAAQAAAAJgAAAAgAAAD//////////zAAAAAUAAAAAAAAAAAA//8AAAEAAAD//wAAAQA="/>
+                <pr:smNativeData xmlns:mc="http://schemas.openxmlformats.org/markup-compatibility/2006" xmlns:p14="http://schemas.microsoft.com/office/powerpoint/2010/main" xmlns:p15="http://schemas.microsoft.com/office/powerpoint/2012/main" xmlns:pr="smNativeData" xmlns="smNativeData" val="SMDATA_18_xzE7ZxMAAAAlAAAAEQAAAC0AAAAAkAAAAEgAAACQAAAASAAAAAAAAAAAAAAAAAAAAAEAAABQAAAAAAAAAAAA4D8AAAAAAADgPwAAAAAAAOA/AAAAAAAA4D8AAAAAAADgPwAAAAAAAOA/AAAAAAAA4D8AAAAAAADgPwAAAAAAAOA/AAAAAAAA4D8CAAAAjAAAAAAAAAAAAAAA////AAAAAAAAAAAAAAAAAAAAAAAAAAAAAAAAAAAAAAAAAAAAZAAAAAEAAABAAAAAAAAAAAAAAAAAAAAAAAAAAAAAAAAAAAAAAAAAAAAAAAAAAAAAAAAAAAAAAAAAAAAAAAAAAAAAAAAAAAAAAAAAAAAAAAAAAAAAAAAAAAAAAAAAAAAAFAAAADwAAAAAAAAAAAAAAAAAAAAPAAAAAQAAACMAAAAjAAAAIwAAAB4AAAAAAAAAZAAAAGQAAAAAAAAAZAAAAGQAAAAVAAAAYAAAAAAAAAAAAAAADwAAACADAAAAAAAAAAAAAAEAAACgMgAAVgcAAKr4//8BAAAAf39/AAEAAABkAAAAAAAAABQAAABAHwAAAAAAACYAAAAAAAAAwOD//wAAAAAmAAAAZAAAABYAAABMAAAAAAAAAAAAAAAEAAAAAAAAAAEAAAB/f38AAAAAACgAAAAoAAAAZAAAAGQAAAAAAAAAzMzMAAAAAABQAAAAUAAAAGQAAABkAAAAAAAAAAcAAAA4AAAAAAAAAAAAAAAAAAAA////AAAAAAAAAAAAAAAAAAAAAAAAAAAAAAAAAAAAAABkAAAAZAAAAAAAAAAjAAAABAAAAGQAAAAXAAAAFAAAAAAAAAAAAAAA/38AAP9/AAAAAAAACQAAAAQAAAAAAAAAHgAAAGgAAAAAAAAAAAAAAAAAAAAAAAAAAAAAABAnAAAQJwAAAAAAAAAAAAAAAAAAAAAAAAAAAAAAAAAAAAAAAAAAAAAUAAAAAAAAAMDA/wAAAAAAZAAAADIAAAAAAAAAZAAAAAAAAAB/f38ACgAAACIAAAAYAAAAAAAAAAAAAAAAAAAAAAAAAAAAAAAAAAAAJAAAACQAAAAAAAAABwAAAAAAAAAAAAAAAAAAAAAAAAAAAAAAAAAAAH9/fwAlAAAAWAAAAAAAAAAAAAAAAAAAAAAAAAAAAAAAAAAAAAAAAAAAAAAAAAAAAAAAAAAAAAAAPwAAAAAAAACghgEAAAAAAAAAAAAAAAAADAAAAAEAAAAAAAAAAAAAAAAAAAAfAAAAVAAAAP///wAAAAAAAAAAAAAAAAAAAAAAAAAAAAAAAAAAAAAAAAAAAAAAAAAAAAAAf39/AH9/fwDMzMwAwMD/AH9/fwAAAAAAAAAAAAAAAAD///8AAAAAACEAAAAYAAAAFAAAANoFAACrAQAAbiYAALsPAAAQAAAAJgAAAAgAAAD//////////zAAAAAUAAAAAAAAAAAA//8AAAEAAAD//wAAAQA="/>
               </a:ext>
             </a:extLst>
           </p:cNvPicPr>
@@ -5245,7 +5245,7 @@
             <a:picLocks noChangeAspect="1"/>
             <a:extLst>
               <a:ext uri="smNativeData">
-                <pr:smNativeData xmlns="smNativeData" xmlns:pr="smNativeData" xmlns:p15="http://schemas.microsoft.com/office/powerpoint/2012/main" xmlns:p14="http://schemas.microsoft.com/office/powerpoint/2010/main" xmlns:mc="http://schemas.openxmlformats.org/markup-compatibility/2006" val="SMDATA_18_xzE7ZxMAAAAlAAAAEQAAAC0AAAAAkAAAAEgAAACQAAAASAAAAAAAAAAAAAAAAAAAAAEAAABQAAAAAAAAAAAA4D8AAAAAAADgPwAAAAAAAOA/AAAAAAAA4D8AAAAAAADgPwAAAAAAAOA/AAAAAAAA4D8AAAAAAADgPwAAAAAAAOA/AAAAAAAA4D8CAAAAjAAAAAAAAAAAAAAA////AAAAAAAAAAAAAAAAAAAAAAAAAAAAAAAAAAAAAAAAAAAAZAAAAAEAAABAAAAAAAAAAAAAAAAAAAAAAAAAAAAAAAAAAAAAAAAAAAAAAAAAAAAAAAAAAAAAAAAAAAAAAAAAAAAAAAAAAAAAAAAAAAAAAAAAAAAAAAAAAAAAAAAAAAAAFAAAADwAAAAAAAAAAAAAAAAAAAAUAAAAAQAAABQAAAAUAAAAFAAAAAEAAAAAAAAAZAAAAGQAAAAAAAAAZAAAAGQAAAAVAAAAYAAAAAAAAAAAAAAADwAAACADAAAAAAAAAAAAAAEAAACgMgAAVgcAAKr4//8BAAAAf39/AAEAAABkAAAAAAAAABQAAABAHwAAAAAAACYAAAAAAAAAwOD//wAAAAAmAAAAZAAAABYAAABMAAAAAAAAAAAAAAAEAAAAAAAAAAEAAAB/f38AAAAAACgAAAAoAAAAZAAAAGQAAAAAAAAAzMzMAAAAAABQAAAAUAAAAGQAAABkAAAAAAAAAAcAAAA4AAAAAAAAAAAAAAAAAAAA////AAAAAAAAAAAAAAAAAAAAAAAAAAAAAAAAAAAAAABkAAAAZAAAAAAAAAAjAAAABAAAAGQAAAAXAAAAFAAAAAAAAAAAAAAA/38AAP9/AAAAAAAACQAAAAQAAAAAAAAAHgAAAGgAAAAAAAAAAAAAAAAAAAAAAAAAAAAAABAnAAAQJwAAAAAAAAAAAAAAAAAAAAAAAAAAAAAAAAAAAAAAAAAAAAAUAAAAAAAAAMDA/wAAAAAAZAAAADIAAAAAAAAAZAAAAAAAAAB/f38ACgAAACIAAAAYAAAAAAAAAAAAAAAAAAAAAAAAAAAAAAAAAAAAJAAAACQAAAAAAAAABwAAAAAAAAAAAAAAAAAAAAAAAAAAAAAAAAAAAH9/fwAlAAAAWAAAAAAAAAAAAAAAAAAAAAAAAAAAAAAAAAAAAAAAAAAAAAAAAAAAAAAAAAAAAAAAPwAAAAAAAACghgEAAAAAAAAAAAAAAAAADAAAAAEAAAAAAAAAAAAAAAAAAAAfAAAAVAAAAP///wAAAAAAAAAAAAAAAAAAAAAAAAAAAAAAAAAAAAAAAAAAAAAAAAAAAAAAf39/AH9/fwDMzMwAwMD/AH9/fwAAAAAAAAAAAAAAAAD///8AAAAAACEAAAAYAAAAFAAAALYFAAAJEgAA6goAANgVAAAQAAAAJgAAAAgAAAD//////////zAAAAAUAAAAAAAAAAAA//8AAAEAAAD//wAAAQA="/>
+                <pr:smNativeData xmlns:mc="http://schemas.openxmlformats.org/markup-compatibility/2006" xmlns:p14="http://schemas.microsoft.com/office/powerpoint/2010/main" xmlns:p15="http://schemas.microsoft.com/office/powerpoint/2012/main" xmlns:pr="smNativeData" xmlns="smNativeData" val="SMDATA_18_xzE7ZxMAAAAlAAAAEQAAAC0AAAAAkAAAAEgAAACQAAAASAAAAAAAAAAAAAAAAAAAAAEAAABQAAAAAAAAAAAA4D8AAAAAAADgPwAAAAAAAOA/AAAAAAAA4D8AAAAAAADgPwAAAAAAAOA/AAAAAAAA4D8AAAAAAADgPwAAAAAAAOA/AAAAAAAA4D8CAAAAjAAAAAAAAAAAAAAA////AAAAAAAAAAAAAAAAAAAAAAAAAAAAAAAAAAAAAAAAAAAAZAAAAAEAAABAAAAAAAAAAAAAAAAAAAAAAAAAAAAAAAAAAAAAAAAAAAAAAAAAAAAAAAAAAAAAAAAAAAAAAAAAAAAAAAAAAAAAAAAAAAAAAAAAAAAAAAAAAAAAAAAAAAAAFAAAADwAAAAAAAAAAAAAAAAAAAAUAAAAAQAAABQAAAAUAAAAFAAAAAEAAAAAAAAAZAAAAGQAAAAAAAAAZAAAAGQAAAAVAAAAYAAAAAAAAAAAAAAADwAAACADAAAAAAAAAAAAAAEAAACgMgAAVgcAAKr4//8BAAAAf39/AAEAAABkAAAAAAAAABQAAABAHwAAAAAAACYAAAAAAAAAwOD//wAAAAAmAAAAZAAAABYAAABMAAAAAAAAAAAAAAAEAAAAAAAAAAEAAAB/f38AAAAAACgAAAAoAAAAZAAAAGQAAAAAAAAAzMzMAAAAAABQAAAAUAAAAGQAAABkAAAAAAAAAAcAAAA4AAAAAAAAAAAAAAAAAAAA////AAAAAAAAAAAAAAAAAAAAAAAAAAAAAAAAAAAAAABkAAAAZAAAAAAAAAAjAAAABAAAAGQAAAAXAAAAFAAAAAAAAAAAAAAA/38AAP9/AAAAAAAACQAAAAQAAAAAAAAAHgAAAGgAAAAAAAAAAAAAAAAAAAAAAAAAAAAAABAnAAAQJwAAAAAAAAAAAAAAAAAAAAAAAAAAAAAAAAAAAAAAAAAAAAAUAAAAAAAAAMDA/wAAAAAAZAAAADIAAAAAAAAAZAAAAAAAAAB/f38ACgAAACIAAAAYAAAAAAAAAAAAAAAAAAAAAAAAAAAAAAAAAAAAJAAAACQAAAAAAAAABwAAAAAAAAAAAAAAAAAAAAAAAAAAAAAAAAAAAH9/fwAlAAAAWAAAAAAAAAAAAAAAAAAAAAAAAAAAAAAAAAAAAAAAAAAAAAAAAAAAAAAAAAAAAAAAPwAAAAAAAACghgEAAAAAAAAAAAAAAAAADAAAAAEAAAAAAAAAAAAAAAAAAAAfAAAAVAAAAP///wAAAAAAAAAAAAAAAAAAAAAAAAAAAAAAAAAAAAAAAAAAAAAAAAAAAAAAf39/AH9/fwDMzMwAwMD/AH9/fwAAAAAAAAAAAAAAAAD///8AAAAAACEAAAAYAAAAFAAAALYFAAAJEgAA6goAANgVAAAQAAAAJgAAAAgAAAD//////////zAAAAAUAAAAAAAAAAAA//8AAAEAAAD//wAAAQA="/>
               </a:ext>
             </a:extLst>
           </p:cNvPicPr>
@@ -5279,7 +5279,7 @@
             <a:picLocks noChangeAspect="1"/>
             <a:extLst>
               <a:ext uri="smNativeData">
-                <pr:smNativeData xmlns="smNativeData" xmlns:pr="smNativeData" xmlns:p15="http://schemas.microsoft.com/office/powerpoint/2012/main" xmlns:p14="http://schemas.microsoft.com/office/powerpoint/2010/main" xmlns:mc="http://schemas.openxmlformats.org/markup-compatibility/2006" val="SMDATA_18_xzE7ZxMAAAAlAAAAEQAAAC0AAAAAkAAAAEgAAACQAAAASAAAAAAAAAAAAAAAAAAAAAEAAABQAAAAAAAAAAAA4D8AAAAAAADgPwAAAAAAAOA/AAAAAAAA4D8AAAAAAADgPwAAAAAAAOA/AAAAAAAA4D8AAAAAAADgPwAAAAAAAOA/AAAAAAAA4D8CAAAAjAAAAAAAAAAAAAAA////AAAAAAAAAAAAAAAAAAAAAAAAAAAAAAAAAAAAAAAAAAAAZAAAAAEAAABAAAAAAAAAAAAAAAAAAAAAAAAAAAAAAAAAAAAAAAAAAAAAAAAAAAAAAAAAAAAAAAAAAAAAAAAAAAAAAAAAAAAAAAAAAAAAAAAAAAAAAAAAAAAAAAAAAAAAFAAAADwAAAAAAAAAAAAAAAAAAAAUAAAAAQAAABQAAAAUAAAAFAAAAAEAAAAAAAAAZAAAAGQAAAAAAAAAZAAAAGQAAAAVAAAAYAAAAAAAAAAAAAAADwAAACADAAAAAAAAAAAAAAEAAACgMgAAVgcAAKr4//8BAAAAf39/AAEAAABkAAAAAAAAABQAAABAHwAAAAAAACYAAAAAAAAAwOD//wAAAAAmAAAAZAAAABYAAABMAAAAAAAAAAAAAAAEAAAAAAAAAAEAAAB/f38AAAAAACgAAAAoAAAAZAAAAGQAAAAAAAAAzMzMAAAAAABQAAAAUAAAAGQAAABkAAAAAAAAAAcAAAA4AAAAAAAAAAAAAAAAAAAA////AAAAAAAAAAAAAAAAAAAAAAAAAAAAAAAAAAAAAABkAAAAZAAAAAAAAAAjAAAABAAAAGQAAAAXAAAAFAAAAAAAAAAAAAAA/38AAP9/AAAAAAAACQAAAAQAAAAAAAAAHgAAAGgAAAAAAAAAAAAAAAAAAAAAAAAAAAAAABAnAAAQJwAAAAAAAAAAAAAAAAAAAAAAAAAAAAAAAAAAAAAAAAAAAAAUAAAAAAAAAMDA/wAAAAAAZAAAADIAAAAAAAAAZAAAAAAAAAB/f38ACgAAACIAAAAYAAAAAAAAAAAAAAAAAAAAAAAAAAAAAAAAAAAAJAAAACQAAAAAAAAABwAAAAAAAAAAAAAAAAAAAAAAAAAAAAAAAAAAAH9/fwAlAAAAWAAAAAAAAAAAAAAAAAAAAAAAAAAAAAAAAAAAAAAAAAAAAAAAAAAAAAAAAAAAAAAAPwAAAAAAAACghgEAAAAAAAAAAAAAAAAADAAAAAEAAAAAAAAAAAAAAAAAAAAfAAAAVAAAAP///wAAAAAAAAAAAAAAAAAAAAAAAAAAAAAAAAAAAAAAAAAAAAAAAAAAAAAAf39/AH9/fwDMzMwAwMD/AH9/fwAAAAAAAAAAAAAAAAD///8AAAAAACEAAAAYAAAAFAAAAFALAAD1EQAAfQ8AAHUVAAAQAAAAJgAAAAgAAAD//////////zAAAAAUAAAAAAAAAAAA//8AAAEAAAD//wAAAQA="/>
+                <pr:smNativeData xmlns:mc="http://schemas.openxmlformats.org/markup-compatibility/2006" xmlns:p14="http://schemas.microsoft.com/office/powerpoint/2010/main" xmlns:p15="http://schemas.microsoft.com/office/powerpoint/2012/main" xmlns:pr="smNativeData" xmlns="smNativeData" val="SMDATA_18_xzE7ZxMAAAAlAAAAEQAAAC0AAAAAkAAAAEgAAACQAAAASAAAAAAAAAAAAAAAAAAAAAEAAABQAAAAAAAAAAAA4D8AAAAAAADgPwAAAAAAAOA/AAAAAAAA4D8AAAAAAADgPwAAAAAAAOA/AAAAAAAA4D8AAAAAAADgPwAAAAAAAOA/AAAAAAAA4D8CAAAAjAAAAAAAAAAAAAAA////AAAAAAAAAAAAAAAAAAAAAAAAAAAAAAAAAAAAAAAAAAAAZAAAAAEAAABAAAAAAAAAAAAAAAAAAAAAAAAAAAAAAAAAAAAAAAAAAAAAAAAAAAAAAAAAAAAAAAAAAAAAAAAAAAAAAAAAAAAAAAAAAAAAAAAAAAAAAAAAAAAAAAAAAAAAFAAAADwAAAAAAAAAAAAAAAAAAAAUAAAAAQAAABQAAAAUAAAAFAAAAAEAAAAAAAAAZAAAAGQAAAAAAAAAZAAAAGQAAAAVAAAAYAAAAAAAAAAAAAAADwAAACADAAAAAAAAAAAAAAEAAACgMgAAVgcAAKr4//8BAAAAf39/AAEAAABkAAAAAAAAABQAAABAHwAAAAAAACYAAAAAAAAAwOD//wAAAAAmAAAAZAAAABYAAABMAAAAAAAAAAAAAAAEAAAAAAAAAAEAAAB/f38AAAAAACgAAAAoAAAAZAAAAGQAAAAAAAAAzMzMAAAAAABQAAAAUAAAAGQAAABkAAAAAAAAAAcAAAA4AAAAAAAAAAAAAAAAAAAA////AAAAAAAAAAAAAAAAAAAAAAAAAAAAAAAAAAAAAABkAAAAZAAAAAAAAAAjAAAABAAAAGQAAAAXAAAAFAAAAAAAAAAAAAAA/38AAP9/AAAAAAAACQAAAAQAAAAAAAAAHgAAAGgAAAAAAAAAAAAAAAAAAAAAAAAAAAAAABAnAAAQJwAAAAAAAAAAAAAAAAAAAAAAAAAAAAAAAAAAAAAAAAAAAAAUAAAAAAAAAMDA/wAAAAAAZAAAADIAAAAAAAAAZAAAAAAAAAB/f38ACgAAACIAAAAYAAAAAAAAAAAAAAAAAAAAAAAAAAAAAAAAAAAAJAAAACQAAAAAAAAABwAAAAAAAAAAAAAAAAAAAAAAAAAAAAAAAAAAAH9/fwAlAAAAWAAAAAAAAAAAAAAAAAAAAAAAAAAAAAAAAAAAAAAAAAAAAAAAAAAAAAAAAAAAAAAAPwAAAAAAAACghgEAAAAAAAAAAAAAAAAADAAAAAEAAAAAAAAAAAAAAAAAAAAfAAAAVAAAAP///wAAAAAAAAAAAAAAAAAAAAAAAAAAAAAAAAAAAAAAAAAAAAAAAAAAAAAAf39/AH9/fwDMzMwAwMD/AH9/fwAAAAAAAAAAAAAAAAD///8AAAAAACEAAAAYAAAAFAAAAFALAAD1EQAAfQ8AAHUVAAAQAAAAJgAAAAgAAAD//////////zAAAAAUAAAAAAAAAAAA//8AAAEAAAD//wAAAQA="/>
               </a:ext>
             </a:extLst>
           </p:cNvPicPr>
@@ -5313,7 +5313,7 @@
             <a:picLocks noChangeAspect="1"/>
             <a:extLst>
               <a:ext uri="smNativeData">
-                <pr:smNativeData xmlns="smNativeData" xmlns:pr="smNativeData" xmlns:p15="http://schemas.microsoft.com/office/powerpoint/2012/main" xmlns:p14="http://schemas.microsoft.com/office/powerpoint/2010/main" xmlns:mc="http://schemas.openxmlformats.org/markup-compatibility/2006" val="SMDATA_18_xzE7ZxMAAAAlAAAAEQAAAC0AAAAAkAAAAEgAAACQAAAASAAAAAAAAAAAAAAAAAAAAAEAAABQAAAAAAAAAAAA4D8AAAAAAADgPwAAAAAAAOA/AAAAAAAA4D8AAAAAAADgPwAAAAAAAOA/AAAAAAAA4D8AAAAAAADgPwAAAAAAAOA/AAAAAAAA4D8CAAAAjAAAAAAAAAAAAAAA////AAAAAAAAAAAAAAAAAAAAAAAAAAAAAAAAAAAAAAAAAAAAZAAAAAEAAABAAAAAAAAAAAAAAAAAAAAAAAAAAAAAAAAAAAAAAAAAAAAAAAAAAAAAAAAAAAAAAAAAAAAAAAAAAAAAAAAAAAAAAAAAAAAAAAAAAAAAAAAAAAAAAAAAAAAAFAAAADwAAAAAAAAAAAAAAAAAAAAUAAAAAQAAABQAAAAUAAAAFAAAAAEAAAAAAAAAZAAAAGQAAAAAAAAAZAAAAGQAAAAVAAAAYAAAAAAAAAAAAAAADwAAACADAAAAAAAAAAAAAAEAAACgMgAAVgcAAKr4//8BAAAAf39/AAEAAABkAAAAAAAAABQAAABAHwAAAAAAACYAAAAAAAAAwOD//wAAAAAmAAAAZAAAABYAAABMAAAAAAAAAAAAAAAEAAAAAAAAAAEAAAB/f38AAAAAACgAAAAoAAAAZAAAAGQAAAAAAAAAzMzMAAAAAABQAAAAUAAAAGQAAABkAAAAAAAAAAcAAAA4AAAAAAAAAAAAAAAAAAAA////AAAAAAAAAAAAAAAAAAAAAAAAAAAAAAAAAAAAAABkAAAAZAAAAAAAAAAjAAAABAAAAGQAAAAXAAAAFAAAAAAAAAAAAAAA/38AAP9/AAAAAAAACQAAAAQAAAAAAAAAHgAAAGgAAAAAAAAAAAAAAAAAAAAAAAAAAAAAABAnAAAQJwAAAAAAAAAAAAAAAAAAAAAAAAAAAAAAAAAAAAAAAAAAAAAUAAAAAAAAAMDA/wAAAAAAZAAAADIAAAAAAAAAZAAAAAAAAAB/f38ACgAAACIAAAAYAAAAAAAAAAAAAAAAAAAAAAAAAAAAAAAAAAAAJAAAACQAAAAAAAAABwAAAAAAAAAAAAAAAAAAAAAAAAAAAAAAAAAAAH9/fwAlAAAAWAAAAAAAAAAAAAAAAAAAAAAAAAAAAAAAAAAAAAAAAAAAAAAAAAAAAAAAAAAAAAAAPwAAAAAAAACghgEAAAAAAAAAAAAAAAAADAAAAAEAAAAAAAAAAAAAAAAAAAAfAAAAVAAAAP///wAAAAAAAAAAAAAAAAAAAAAAAAAAAAAAAAAAAAAAAAAAAAAAAAAAAAAAf39/AH9/fwDMzMwAwMD/AH9/fwAAAAAAAAAAAAAAAAD///8AAAAAACEAAAAYAAAAFAAAACYQAADpEAAA/BUAAIEVAAAQAAAAJgAAAAgAAAD//////////zAAAAAUAAAAAAAAAAAA//8AAAEAAAD//wAAAQA="/>
+                <pr:smNativeData xmlns:mc="http://schemas.openxmlformats.org/markup-compatibility/2006" xmlns:p14="http://schemas.microsoft.com/office/powerpoint/2010/main" xmlns:p15="http://schemas.microsoft.com/office/powerpoint/2012/main" xmlns:pr="smNativeData" xmlns="smNativeData" val="SMDATA_18_xzE7ZxMAAAAlAAAAEQAAAC0AAAAAkAAAAEgAAACQAAAASAAAAAAAAAAAAAAAAAAAAAEAAABQAAAAAAAAAAAA4D8AAAAAAADgPwAAAAAAAOA/AAAAAAAA4D8AAAAAAADgPwAAAAAAAOA/AAAAAAAA4D8AAAAAAADgPwAAAAAAAOA/AAAAAAAA4D8CAAAAjAAAAAAAAAAAAAAA////AAAAAAAAAAAAAAAAAAAAAAAAAAAAAAAAAAAAAAAAAAAAZAAAAAEAAABAAAAAAAAAAAAAAAAAAAAAAAAAAAAAAAAAAAAAAAAAAAAAAAAAAAAAAAAAAAAAAAAAAAAAAAAAAAAAAAAAAAAAAAAAAAAAAAAAAAAAAAAAAAAAAAAAAAAAFAAAADwAAAAAAAAAAAAAAAAAAAAUAAAAAQAAABQAAAAUAAAAFAAAAAEAAAAAAAAAZAAAAGQAAAAAAAAAZAAAAGQAAAAVAAAAYAAAAAAAAAAAAAAADwAAACADAAAAAAAAAAAAAAEAAACgMgAAVgcAAKr4//8BAAAAf39/AAEAAABkAAAAAAAAABQAAABAHwAAAAAAACYAAAAAAAAAwOD//wAAAAAmAAAAZAAAABYAAABMAAAAAAAAAAAAAAAEAAAAAAAAAAEAAAB/f38AAAAAACgAAAAoAAAAZAAAAGQAAAAAAAAAzMzMAAAAAABQAAAAUAAAAGQAAABkAAAAAAAAAAcAAAA4AAAAAAAAAAAAAAAAAAAA////AAAAAAAAAAAAAAAAAAAAAAAAAAAAAAAAAAAAAABkAAAAZAAAAAAAAAAjAAAABAAAAGQAAAAXAAAAFAAAAAAAAAAAAAAA/38AAP9/AAAAAAAACQAAAAQAAAAAAAAAHgAAAGgAAAAAAAAAAAAAAAAAAAAAAAAAAAAAABAnAAAQJwAAAAAAAAAAAAAAAAAAAAAAAAAAAAAAAAAAAAAAAAAAAAAUAAAAAAAAAMDA/wAAAAAAZAAAADIAAAAAAAAAZAAAAAAAAAB/f38ACgAAACIAAAAYAAAAAAAAAAAAAAAAAAAAAAAAAAAAAAAAAAAAJAAAACQAAAAAAAAABwAAAAAAAAAAAAAAAAAAAAAAAAAAAAAAAAAAAH9/fwAlAAAAWAAAAAAAAAAAAAAAAAAAAAAAAAAAAAAAAAAAAAAAAAAAAAAAAAAAAAAAAAAAAAAAPwAAAAAAAACghgEAAAAAAAAAAAAAAAAADAAAAAEAAAAAAAAAAAAAAAAAAAAfAAAAVAAAAP///wAAAAAAAAAAAAAAAAAAAAAAAAAAAAAAAAAAAAAAAAAAAAAAAAAAAAAAf39/AH9/fwDMzMwAwMD/AH9/fwAAAAAAAAAAAAAAAAD///8AAAAAACEAAAAYAAAAFAAAACYQAADpEAAA/BUAAIEVAAAQAAAAJgAAAAgAAAD//////////zAAAAAUAAAAAAAAAAAA//8AAAEAAAD//wAAAQA="/>
               </a:ext>
             </a:extLst>
           </p:cNvPicPr>
@@ -5347,7 +5347,7 @@
             <a:picLocks noChangeAspect="1"/>
             <a:extLst>
               <a:ext uri="smNativeData">
-                <pr:smNativeData xmlns="smNativeData" xmlns:pr="smNativeData" xmlns:p15="http://schemas.microsoft.com/office/powerpoint/2012/main" xmlns:p14="http://schemas.microsoft.com/office/powerpoint/2010/main" xmlns:mc="http://schemas.openxmlformats.org/markup-compatibility/2006" val="SMDATA_18_xzE7ZxMAAAAlAAAAEQAAAC0AAAAAkAAAAEgAAACQAAAASAAAAAAAAAAAAAAAAAAAAAEAAABQAAAAAAAAAAAA4D8AAAAAAADgPwAAAAAAAOA/AAAAAAAA4D8AAAAAAADgPwAAAAAAAOA/AAAAAAAA4D8AAAAAAADgPwAAAAAAAOA/AAAAAAAA4D8CAAAAjAAAAAAAAAAAAAAA////AAAAAAAAAAAAAAAAAAAAAAAAAAAAAAAAAAAAAAAAAAAAZAAAAAEAAABAAAAAAAAAAAAAAAAAAAAAAAAAAAAAAAAAAAAAAAAAAAAAAAAAAAAAAAAAAAAAAAAAAAAAAAAAAAAAAAAAAAAAAAAAAAAAAAAAAAAAAAAAAAAAAAAAAAAAFAAAADwAAAAAAAAAAAAAAAAAAAAUAAAAAQAAABQAAAAUAAAAFAAAAAEAAAAAAAAAZAAAAGQAAAAAAAAAZAAAAGQAAAAVAAAAYAAAAAAAAAAAAAAADwAAACADAAAAAAAAAAAAAAEAAACgMgAAVgcAAKr4//8BAAAAf39/AAEAAABkAAAAAAAAABQAAABAHwAAAAAAACYAAAAAAAAAwOD//wAAAAAmAAAAZAAAABYAAABMAAAAAAAAAAAAAAAEAAAAAAAAAAEAAAB/f38AAAAAACgAAAAoAAAAZAAAAGQAAAAAAAAAzMzMAAAAAABQAAAAUAAAAGQAAABkAAAAAAAAAAcAAAA4AAAAAAAAAAAAAAAAAAAA////AAAAAAAAAAAAAAAAAAAAAAAAAAAAAAAAAAAAAABkAAAAZAAAAAAAAAAjAAAABAAAAGQAAAAXAAAAFAAAAAAAAAAAAAAA/38AAP9/AAAAAAAACQAAAAQAAAAAAAAAHgAAAGgAAAAAAAAAAAAAAAAAAAAAAAAAAAAAABAnAAAQJwAAAAAAAAAAAAAAAAAAAAAAAAAAAAAAAAAAAAAAAAAAAAAUAAAAAAAAAMDA/wAAAAAAZAAAADIAAAAAAAAAZAAAAAAAAAB/f38ACgAAACIAAAAYAAAAAAAAAAAAAAAAAAAAAAAAAAAAAAAAAAAAJAAAACQAAAAAAAAABwAAAAAAAAAAAAAAAAAAAAAAAAAAAAAAAAAAAH9/fwAlAAAAWAAAAAAAAAAAAAAAAAAAAAAAAAAAAAAAAAAAAAAAAAAAAAAAAAAAAAAAAAAAAAAAPwAAAAAAAACghgEAAAAAAAAAAAAAAAAADAAAAAEAAAAAAAAAAAAAAAAAAAAfAAAAVAAAAP///wAAAAAAAAAAAAAAAAAAAAAAAAAAAAAAAAAAAAAAAAAAAAAAAAAAAAAAf39/AH9/fwDMzMwAwMD/AH9/fwAAAAAAAAAAAAAAAAD///8AAAAAACEAAAAYAAAAFAAAABcWAACxEAAAMxsAAFIVAAAQAAAAJgAAAAgAAAD//////////zAAAAAUAAAAAAAAAAAA//8AAAEAAAD//wAAAQA="/>
+                <pr:smNativeData xmlns:mc="http://schemas.openxmlformats.org/markup-compatibility/2006" xmlns:p14="http://schemas.microsoft.com/office/powerpoint/2010/main" xmlns:p15="http://schemas.microsoft.com/office/powerpoint/2012/main" xmlns:pr="smNativeData" xmlns="smNativeData" val="SMDATA_18_xzE7ZxMAAAAlAAAAEQAAAC0AAAAAkAAAAEgAAACQAAAASAAAAAAAAAAAAAAAAAAAAAEAAABQAAAAAAAAAAAA4D8AAAAAAADgPwAAAAAAAOA/AAAAAAAA4D8AAAAAAADgPwAAAAAAAOA/AAAAAAAA4D8AAAAAAADgPwAAAAAAAOA/AAAAAAAA4D8CAAAAjAAAAAAAAAAAAAAA////AAAAAAAAAAAAAAAAAAAAAAAAAAAAAAAAAAAAAAAAAAAAZAAAAAEAAABAAAAAAAAAAAAAAAAAAAAAAAAAAAAAAAAAAAAAAAAAAAAAAAAAAAAAAAAAAAAAAAAAAAAAAAAAAAAAAAAAAAAAAAAAAAAAAAAAAAAAAAAAAAAAAAAAAAAAFAAAADwAAAAAAAAAAAAAAAAAAAAUAAAAAQAAABQAAAAUAAAAFAAAAAEAAAAAAAAAZAAAAGQAAAAAAAAAZAAAAGQAAAAVAAAAYAAAAAAAAAAAAAAADwAAACADAAAAAAAAAAAAAAEAAACgMgAAVgcAAKr4//8BAAAAf39/AAEAAABkAAAAAAAAABQAAABAHwAAAAAAACYAAAAAAAAAwOD//wAAAAAmAAAAZAAAABYAAABMAAAAAAAAAAAAAAAEAAAAAAAAAAEAAAB/f38AAAAAACgAAAAoAAAAZAAAAGQAAAAAAAAAzMzMAAAAAABQAAAAUAAAAGQAAABkAAAAAAAAAAcAAAA4AAAAAAAAAAAAAAAAAAAA////AAAAAAAAAAAAAAAAAAAAAAAAAAAAAAAAAAAAAABkAAAAZAAAAAAAAAAjAAAABAAAAGQAAAAXAAAAFAAAAAAAAAAAAAAA/38AAP9/AAAAAAAACQAAAAQAAAAAAAAAHgAAAGgAAAAAAAAAAAAAAAAAAAAAAAAAAAAAABAnAAAQJwAAAAAAAAAAAAAAAAAAAAAAAAAAAAAAAAAAAAAAAAAAAAAUAAAAAAAAAMDA/wAAAAAAZAAAADIAAAAAAAAAZAAAAAAAAAB/f38ACgAAACIAAAAYAAAAAAAAAAAAAAAAAAAAAAAAAAAAAAAAAAAAJAAAACQAAAAAAAAABwAAAAAAAAAAAAAAAAAAAAAAAAAAAAAAAAAAAH9/fwAlAAAAWAAAAAAAAAAAAAAAAAAAAAAAAAAAAAAAAAAAAAAAAAAAAAAAAAAAAAAAAAAAAAAAPwAAAAAAAACghgEAAAAAAAAAAAAAAAAADAAAAAEAAAAAAAAAAAAAAAAAAAAfAAAAVAAAAP///wAAAAAAAAAAAAAAAAAAAAAAAAAAAAAAAAAAAAAAAAAAAAAAAAAAAAAAf39/AH9/fwDMzMwAwMD/AH9/fwAAAAAAAAAAAAAAAAD///8AAAAAACEAAAAYAAAAFAAAABcWAACxEAAAMxsAAFIVAAAQAAAAJgAAAAgAAAD//////////zAAAAAUAAAAAAAAAAAA//8AAAEAAAD//wAAAQA="/>
               </a:ext>
             </a:extLst>
           </p:cNvPicPr>
@@ -5381,7 +5381,7 @@
             <a:picLocks noChangeAspect="1"/>
             <a:extLst>
               <a:ext uri="smNativeData">
-                <pr:smNativeData xmlns="smNativeData" xmlns:pr="smNativeData" xmlns:p15="http://schemas.microsoft.com/office/powerpoint/2012/main" xmlns:p14="http://schemas.microsoft.com/office/powerpoint/2010/main" xmlns:mc="http://schemas.openxmlformats.org/markup-compatibility/2006" val="SMDATA_18_xzE7ZxMAAAAlAAAAEQAAAC0AAAAAkAAAAEgAAACQAAAASAAAAAAAAAAAAAAAAAAAAAEAAABQAAAAAAAAAAAA4D8AAAAAAADgPwAAAAAAAOA/AAAAAAAA4D8AAAAAAADgPwAAAAAAAOA/AAAAAAAA4D8AAAAAAADgPwAAAAAAAOA/AAAAAAAA4D8CAAAAjAAAAAAAAAAAAAAA////AAAAAAAAAAAAAAAAAAAAAAAAAAAAAAAAAAAAAAAAAAAAZAAAAAEAAABAAAAAAAAAAAAAAAAAAAAAAAAAAAAAAAAAAAAAAAAAAAAAAAAAAAAAAAAAAAAAAAAAAAAAAAAAAAAAAAAAAAAAAAAAAAAAAAAAAAAAAAAAAAAAAAAAAAAAFAAAADwAAAAAAAAAAAAAAAAAAAAUAAAAAQAAABQAAAAUAAAAFAAAAAEAAAAAAAAAZAAAAGQAAAAAAAAAZAAAAGQAAAAVAAAAYAAAAAAAAAAAAAAADwAAACADAAAAAAAAAAAAAAEAAACgMgAAVgcAAKr4//8BAAAAf39/AAEAAABkAAAAAAAAABQAAABAHwAAAAAAACYAAAAAAAAAwOD//wAAAAAmAAAAZAAAABYAAABMAAAAAAAAAAAAAAAEAAAAAAAAAAEAAAB/f38AAAAAACgAAAAoAAAAZAAAAGQAAAAAAAAAzMzMAAAAAABQAAAAUAAAAGQAAABkAAAAAAAAAAcAAAA4AAAAAAAAAAAAAAAAAAAA////AAAAAAAAAAAAAAAAAAAAAAAAAAAAAAAAAAAAAABkAAAAZAAAAAAAAAAjAAAABAAAAGQAAAAXAAAAFAAAAAAAAAAAAAAA/38AAP9/AAAAAAAACQAAAAQAAAAAAAAAHgAAAGgAAAAAAAAAAAAAAAAAAAAAAAAAAAAAABAnAAAQJwAAAAAAAAAAAAAAAAAAAAAAAAAAAAAAAAAAAAAAAAAAAAAUAAAAAAAAAMDA/wAAAAAAZAAAADIAAAAAAAAAZAAAAAAAAAB/f38ACgAAACIAAAAYAAAAAAAAAAAAAAAAAAAAAAAAAAAAAAAAAAAAJAAAACQAAAAAAAAABwAAAAAAAAAAAAAAAAAAAAAAAAAAAAAAAAAAAH9/fwAlAAAAWAAAAAAAAAAAAAAAAAAAAAAAAAAAAAAAAAAAAAAAAAAAAAAAAAAAAAAAAAAAAAAAPwAAAAAAAACghgEAAAAAAAAAAAAAAAAADAAAAAEAAAAAAAAAAAAAAAAAAAAfAAAAVAAAAP///wAAAAAAAAAAAAAAAAAAAAAAAAAAAAAAAAAAAAAAAAAAAAAAAAAAAAAAf39/AH9/fwDMzMwAwMD/AH9/fwAAAAAAAAAAAAAAAAD///8AAAAAACEAAAAYAAAAFAAAAAsbAACJEQAAFyAAADsVAAAQAAAAJgAAAAgAAAD//////////zAAAAAUAAAAAAAAAAAA//8AAAEAAAD//wAAAQA="/>
+                <pr:smNativeData xmlns:mc="http://schemas.openxmlformats.org/markup-compatibility/2006" xmlns:p14="http://schemas.microsoft.com/office/powerpoint/2010/main" xmlns:p15="http://schemas.microsoft.com/office/powerpoint/2012/main" xmlns:pr="smNativeData" xmlns="smNativeData" val="SMDATA_18_xzE7ZxMAAAAlAAAAEQAAAC0AAAAAkAAAAEgAAACQAAAASAAAAAAAAAAAAAAAAAAAAAEAAABQAAAAAAAAAAAA4D8AAAAAAADgPwAAAAAAAOA/AAAAAAAA4D8AAAAAAADgPwAAAAAAAOA/AAAAAAAA4D8AAAAAAADgPwAAAAAAAOA/AAAAAAAA4D8CAAAAjAAAAAAAAAAAAAAA////AAAAAAAAAAAAAAAAAAAAAAAAAAAAAAAAAAAAAAAAAAAAZAAAAAEAAABAAAAAAAAAAAAAAAAAAAAAAAAAAAAAAAAAAAAAAAAAAAAAAAAAAAAAAAAAAAAAAAAAAAAAAAAAAAAAAAAAAAAAAAAAAAAAAAAAAAAAAAAAAAAAAAAAAAAAFAAAADwAAAAAAAAAAAAAAAAAAAAUAAAAAQAAABQAAAAUAAAAFAAAAAEAAAAAAAAAZAAAAGQAAAAAAAAAZAAAAGQAAAAVAAAAYAAAAAAAAAAAAAAADwAAACADAAAAAAAAAAAAAAEAAACgMgAAVgcAAKr4//8BAAAAf39/AAEAAABkAAAAAAAAABQAAABAHwAAAAAAACYAAAAAAAAAwOD//wAAAAAmAAAAZAAAABYAAABMAAAAAAAAAAAAAAAEAAAAAAAAAAEAAAB/f38AAAAAACgAAAAoAAAAZAAAAGQAAAAAAAAAzMzMAAAAAABQAAAAUAAAAGQAAABkAAAAAAAAAAcAAAA4AAAAAAAAAAAAAAAAAAAA////AAAAAAAAAAAAAAAAAAAAAAAAAAAAAAAAAAAAAABkAAAAZAAAAAAAAAAjAAAABAAAAGQAAAAXAAAAFAAAAAAAAAAAAAAA/38AAP9/AAAAAAAACQAAAAQAAAAAAAAAHgAAAGgAAAAAAAAAAAAAAAAAAAAAAAAAAAAAABAnAAAQJwAAAAAAAAAAAAAAAAAAAAAAAAAAAAAAAAAAAAAAAAAAAAAUAAAAAAAAAMDA/wAAAAAAZAAAADIAAAAAAAAAZAAAAAAAAAB/f38ACgAAACIAAAAYAAAAAAAAAAAAAAAAAAAAAAAAAAAAAAAAAAAAJAAAACQAAAAAAAAABwAAAAAAAAAAAAAAAAAAAAAAAAAAAAAAAAAAAH9/fwAlAAAAWAAAAAAAAAAAAAAAAAAAAAAAAAAAAAAAAAAAAAAAAAAAAAAAAAAAAAAAAAAAAAAAPwAAAAAAAACghgEAAAAAAAAAAAAAAAAADAAAAAEAAAAAAAAAAAAAAAAAAAAfAAAAVAAAAP///wAAAAAAAAAAAAAAAAAAAAAAAAAAAAAAAAAAAAAAAAAAAAAAAAAAAAAAf39/AH9/fwDMzMwAwMD/AH9/fwAAAAAAAAAAAAAAAAD///8AAAAAACEAAAAYAAAAFAAAAAsbAACJEQAAFyAAADsVAAAQAAAAJgAAAAgAAAD//////////zAAAAAUAAAAAAAAAAAA//8AAAEAAAD//wAAAQA="/>
               </a:ext>
             </a:extLst>
           </p:cNvPicPr>
@@ -5415,7 +5415,7 @@
             <a:picLocks noChangeAspect="1"/>
             <a:extLst>
               <a:ext uri="smNativeData">
-                <pr:smNativeData xmlns="smNativeData" xmlns:pr="smNativeData" xmlns:p15="http://schemas.microsoft.com/office/powerpoint/2012/main" xmlns:p14="http://schemas.microsoft.com/office/powerpoint/2010/main" xmlns:mc="http://schemas.openxmlformats.org/markup-compatibility/2006" val="SMDATA_18_xzE7ZxMAAAAlAAAAEQAAAC0AAAAAkAAAAEgAAACQAAAASAAAAAAAAAAAAAAAAAAAAAEAAABQAAAAAAAAAAAA4D8AAAAAAADgPwAAAAAAAOA/AAAAAAAA4D8AAAAAAADgPwAAAAAAAOA/AAAAAAAA4D8AAAAAAADgPwAAAAAAAOA/AAAAAAAA4D8CAAAAjAAAAAAAAAAAAAAA////AAAAAAAAAAAAAAAAAAAAAAAAAAAAAAAAAAAAAAAAAAAAZAAAAAEAAABAAAAAAAAAAAAAAAAAAAAAAAAAAAAAAAAAAAAAAAAAAAAAAAAAAAAAAAAAAAAAAAAAAAAAAAAAAAAAAAAAAAAAAAAAAAAAAAAAAAAAAAAAAAAAAAAAAAAAFAAAADwAAAAAAAAAAAAAAAAAAAAUAAAAAQAAABQAAAAUAAAAFAAAAAEAAAAAAAAAZAAAAGQAAAAAAAAAZAAAAGQAAAAVAAAAYAAAAAAAAAAAAAAADwAAACADAAAAAAAAAAAAAAEAAACgMgAAVgcAAKr4//8BAAAAf39/AAEAAABkAAAAAAAAABQAAABAHwAAAAAAACYAAAAAAAAAwOD//wAAAAAmAAAAZAAAABYAAABMAAAAAAAAAAAAAAAEAAAAAAAAAAEAAAB/f38AAAAAACgAAAAoAAAAZAAAAGQAAAAAAAAAzMzMAAAAAABQAAAAUAAAAGQAAABkAAAAAAAAAAcAAAA4AAAAAAAAAAAAAAAAAAAA////AAAAAAAAAAAAAAAAAAAAAAAAAAAAAAAAAAAAAABkAAAAZAAAAAAAAAAjAAAABAAAAGQAAAAXAAAAFAAAAAAAAAAAAAAA/38AAP9/AAAAAAAACQAAAAQAAAAAAAAAHgAAAGgAAAAAAAAAAAAAAAAAAAAAAAAAAAAAABAnAAAQJwAAAAAAAAAAAAAAAAAAAAAAAAAAAAAAAAAAAAAAAAAAAAAUAAAAAAAAAMDA/wAAAAAAZAAAADIAAAAAAAAAZAAAAAAAAAB/f38ACgAAACIAAAAYAAAAAAAAAAAAAAAAAAAAAAAAAAAAAAAAAAAAJAAAACQAAAAAAAAABwAAAAAAAAAAAAAAAAAAAAAAAAAAAAAAAAAAAH9/fwAlAAAAWAAAAAAAAAAAAAAAAAAAAAAAAAAAAAAAAAAAAAAAAAAAAAAAAAAAAAAAAAAAAAAAPwAAAAAAAACghgEAAAAAAAAAAAAAAAAADAAAAAEAAAAAAAAAAAAAAAAAAAAfAAAAVAAAAP///wAAAAAAAAAAAAAAAAAAAAAAAAAAAAAAAAAAAAAAAAAAAAAAAAAAAAAAf39/AH9/fwDMzMwAwMD/AH9/fwAAAAAAAAAAAAAAAAD///8AAAAAACEAAAAYAAAAFAAAADogAAB4EQAAlCUAAGIVAAAQAAAAJgAAAAgAAAD//////////zAAAAAUAAAAAAAAAAAA//8AAAEAAAD//wAAAQA="/>
+                <pr:smNativeData xmlns:mc="http://schemas.openxmlformats.org/markup-compatibility/2006" xmlns:p14="http://schemas.microsoft.com/office/powerpoint/2010/main" xmlns:p15="http://schemas.microsoft.com/office/powerpoint/2012/main" xmlns:pr="smNativeData" xmlns="smNativeData" val="SMDATA_18_xzE7ZxMAAAAlAAAAEQAAAC0AAAAAkAAAAEgAAACQAAAASAAAAAAAAAAAAAAAAAAAAAEAAABQAAAAAAAAAAAA4D8AAAAAAADgPwAAAAAAAOA/AAAAAAAA4D8AAAAAAADgPwAAAAAAAOA/AAAAAAAA4D8AAAAAAADgPwAAAAAAAOA/AAAAAAAA4D8CAAAAjAAAAAAAAAAAAAAA////AAAAAAAAAAAAAAAAAAAAAAAAAAAAAAAAAAAAAAAAAAAAZAAAAAEAAABAAAAAAAAAAAAAAAAAAAAAAAAAAAAAAAAAAAAAAAAAAAAAAAAAAAAAAAAAAAAAAAAAAAAAAAAAAAAAAAAAAAAAAAAAAAAAAAAAAAAAAAAAAAAAAAAAAAAAFAAAADwAAAAAAAAAAAAAAAAAAAAUAAAAAQAAABQAAAAUAAAAFAAAAAEAAAAAAAAAZAAAAGQAAAAAAAAAZAAAAGQAAAAVAAAAYAAAAAAAAAAAAAAADwAAACADAAAAAAAAAAAAAAEAAACgMgAAVgcAAKr4//8BAAAAf39/AAEAAABkAAAAAAAAABQAAABAHwAAAAAAACYAAAAAAAAAwOD//wAAAAAmAAAAZAAAABYAAABMAAAAAAAAAAAAAAAEAAAAAAAAAAEAAAB/f38AAAAAACgAAAAoAAAAZAAAAGQAAAAAAAAAzMzMAAAAAABQAAAAUAAAAGQAAABkAAAAAAAAAAcAAAA4AAAAAAAAAAAAAAAAAAAA////AAAAAAAAAAAAAAAAAAAAAAAAAAAAAAAAAAAAAABkAAAAZAAAAAAAAAAjAAAABAAAAGQAAAAXAAAAFAAAAAAAAAAAAAAA/38AAP9/AAAAAAAACQAAAAQAAAAAAAAAHgAAAGgAAAAAAAAAAAAAAAAAAAAAAAAAAAAAABAnAAAQJwAAAAAAAAAAAAAAAAAAAAAAAAAAAAAAAAAAAAAAAAAAAAAUAAAAAAAAAMDA/wAAAAAAZAAAADIAAAAAAAAAZAAAAAAAAAB/f38ACgAAACIAAAAYAAAAAAAAAAAAAAAAAAAAAAAAAAAAAAAAAAAAJAAAACQAAAAAAAAABwAAAAAAAAAAAAAAAAAAAAAAAAAAAAAAAAAAAH9/fwAlAAAAWAAAAAAAAAAAAAAAAAAAAAAAAAAAAAAAAAAAAAAAAAAAAAAAAAAAAAAAAAAAAAAAPwAAAAAAAACghgEAAAAAAAAAAAAAAAAADAAAAAEAAAAAAAAAAAAAAAAAAAAfAAAAVAAAAP///wAAAAAAAAAAAAAAAAAAAAAAAAAAAAAAAAAAAAAAAAAAAAAAAAAAAAAAf39/AH9/fwDMzMwAwMD/AH9/fwAAAAAAAAAAAAAAAAD///8AAAAAACEAAAAYAAAAFAAAADogAAB4EQAAlCUAAGIVAAAQAAAAJgAAAAgAAAD//////////zAAAAAUAAAAAAAAAAAA//8AAAEAAAD//wAAAQA="/>
               </a:ext>
             </a:extLst>
           </p:cNvPicPr>
@@ -5449,7 +5449,7 @@
             <a:picLocks noChangeAspect="1"/>
             <a:extLst>
               <a:ext uri="smNativeData">
-                <pr:smNativeData xmlns="smNativeData" xmlns:pr="smNativeData" xmlns:p15="http://schemas.microsoft.com/office/powerpoint/2012/main" xmlns:p14="http://schemas.microsoft.com/office/powerpoint/2010/main" xmlns:mc="http://schemas.openxmlformats.org/markup-compatibility/2006" val="SMDATA_18_xzE7ZxMAAAAlAAAAEQAAAC8BAAAAkAAAAEgAAACQAAAASAAAAAAAAAAAAAAAAAAAAAEAAABQAAAAAAAAAAAA4D8AAAAAAADgPwAAAAAAAOA/AAAAAAAA4D8AAAAAAADgPwAAAAAAAOA/AAAAAAAA4D8AAAAAAADgPwAAAAAAAOA/AAAAAAAA4D8CAAAAjAAAAAAAAAAAAAAARHLEDP///wgAAAAAAAAAAAAAAAAAAAAAAAAAAAAAAAAAAAAAZAAAAAEAAABAAAAAAAAAAAAAAAAAAAAAAAAAAAAAAAAAAAAAAAAAAAAAAAAAAAAAAAAAAAAAAAAAAAAAAAAAAAAAAAAAAAAAAAAAAAAAAAAAAAAAAAAAAAAAAAAAAAAAFAAAADwAAAAAAAAAAAAAAAAAAAkUAAAAAQAAABQAAAAUAAAAFAAAAAEAAAAAAAAAZAAAAGQAAAAAAAAAZAAAAGQAAAAVAAAAYAAAAAAAAAAAAAAADwAAACADAAAAAAAAAAAAAAEAAACgMgAAVgcAAKr4//8BAAAAf39/AAEAAABkAAAAAAAAABQAAABAHwAAAAAAACYAAAAAAAAAwOD//wAAAAAmAAAAZAAAABYAAABMAAAAAAAAAAAAAAAEAAAAAAAAAAEAAADn5uYKAAAAACgAAAAoAAAAZAAAAGQAAAAAAAAAzMzMAAAAAABQAAAAUAAAAGQAAABkAAAAAAAAAAcAAAA4AAAAAAAAAAAAAAAAAAAA////AAAAAAAAAAAAAAAAAAAAAAAAAAAAAAAAAAAAAABkAAAAZAAAAAAAAAAjAAAABAAAAGQAAAAXAAAAFAAAAAAAAAAAAAAA/38AAP9/AAAAAAAACQAAAAQAAAAAAAAAHgAAAGgAAAAAAAAAAAAAAAAAAAAAAAAAAAAAABAnAAAQJwAAAAAAAAAAAAAAAAAAAAAAAAAAAAAAAAAAAAAAAAAAAAAUAAAAAAAAAMDA/wAAAAAAZAAAADIAAAAAAAAAZAAAAAAAAAB/f38ACgAAACIAAAAYAAAAAAAAAAAAAAAAAAAAAAAAAAAAAAAAAAAAJAAAACQAAAAAAAAABwAAAAAAAAAAAAAAAAAAAAAAAAAAAAAAAAAAAH9/fwAlAAAAWAAAAAAAAAAAAAAAAAAAAAAAAAAAAAAAAAAAAAAAAAAAAAAAAAAAAAAAAAAAAAAAPwAAAAAAAACghgEAAAAAAAAAAAAAAAAADAAAAAEAAAAAAAAAAAAAAAAAAAAfAAAAVAAAAERyxAX///8BAAAAAAAAAAAAAAAAAAAAAAAAAAAAAAAAAAAAAAAAAAAAAAACf39/AOfm5gPMzMwAwMD/AH9/fwAAAAAAAAAAAAAAAAD///8AAAAAACEAAAAYAAAAFAAAAEQYAAB+GAAALikAALQhAAAQAAAAJgAAAAgAAAD//////////zAAAAAUAAAAAAAAAAAA//8AAAEAAAD//wAAAQA="/>
+                <pr:smNativeData xmlns:mc="http://schemas.openxmlformats.org/markup-compatibility/2006" xmlns:p14="http://schemas.microsoft.com/office/powerpoint/2010/main" xmlns:p15="http://schemas.microsoft.com/office/powerpoint/2012/main" xmlns:pr="smNativeData" xmlns="smNativeData" val="SMDATA_18_xzE7ZxMAAAAlAAAAEQAAAC8BAAAAkAAAAEgAAACQAAAASAAAAAAAAAAAAAAAAAAAAAEAAABQAAAAAAAAAAAA4D8AAAAAAADgPwAAAAAAAOA/AAAAAAAA4D8AAAAAAADgPwAAAAAAAOA/AAAAAAAA4D8AAAAAAADgPwAAAAAAAOA/AAAAAAAA4D8CAAAAjAAAAAAAAAAAAAAARHLEDP///wgAAAAAAAAAAAAAAAAAAAAAAAAAAAAAAAAAAAAAZAAAAAEAAABAAAAAAAAAAAAAAAAAAAAAAAAAAAAAAAAAAAAAAAAAAAAAAAAAAAAAAAAAAAAAAAAAAAAAAAAAAAAAAAAAAAAAAAAAAAAAAAAAAAAAAAAAAAAAAAAAAAAAFAAAADwAAAAAAAAAAAAAAAAAAAkUAAAAAQAAABQAAAAUAAAAFAAAAAEAAAAAAAAAZAAAAGQAAAAAAAAAZAAAAGQAAAAVAAAAYAAAAAAAAAAAAAAADwAAACADAAAAAAAAAAAAAAEAAACgMgAAVgcAAKr4//8BAAAAf39/AAEAAABkAAAAAAAAABQAAABAHwAAAAAAACYAAAAAAAAAwOD//wAAAAAmAAAAZAAAABYAAABMAAAAAAAAAAAAAAAEAAAAAAAAAAEAAADn5uYKAAAAACgAAAAoAAAAZAAAAGQAAAAAAAAAzMzMAAAAAABQAAAAUAAAAGQAAABkAAAAAAAAAAcAAAA4AAAAAAAAAAAAAAAAAAAA////AAAAAAAAAAAAAAAAAAAAAAAAAAAAAAAAAAAAAABkAAAAZAAAAAAAAAAjAAAABAAAAGQAAAAXAAAAFAAAAAAAAAAAAAAA/38AAP9/AAAAAAAACQAAAAQAAAAAAAAAHgAAAGgAAAAAAAAAAAAAAAAAAAAAAAAAAAAAABAnAAAQJwAAAAAAAAAAAAAAAAAAAAAAAAAAAAAAAAAAAAAAAAAAAAAUAAAAAAAAAMDA/wAAAAAAZAAAADIAAAAAAAAAZAAAAAAAAAB/f38ACgAAACIAAAAYAAAAAAAAAAAAAAAAAAAAAAAAAAAAAAAAAAAAJAAAACQAAAAAAAAABwAAAAAAAAAAAAAAAAAAAAAAAAAAAAAAAAAAAH9/fwAlAAAAWAAAAAAAAAAAAAAAAAAAAAAAAAAAAAAAAAAAAAAAAAAAAAAAAAAAAAAAAAAAAAAAPwAAAAAAAACghgEAAAAAAAAAAAAAAAAADAAAAAEAAAAAAAAAAAAAAAAAAAAfAAAAVAAAAERyxAX///8BAAAAAAAAAAAAAAAAAAAAAAAAAAAAAAAAAAAAAAAAAAAAAAACf39/AOfm5gPMzMwAwMD/AH9/fwAAAAAAAAAAAAAAAAD///8AAAAAACEAAAAYAAAAFAAAAEQYAAB+GAAALikAALQhAAAQAAAAJgAAAAgAAAD//////////zAAAAAUAAAAAAAAAAAA//8AAAEAAAD//wAAAQA="/>
               </a:ext>
             </a:extLst>
           </p:cNvPicPr>
@@ -5515,7 +5515,7 @@
             <a:spLocks noGrp="1" noChangeArrowheads="1"/>
             <a:extLst>
               <a:ext uri="smNativeData">
-                <pr:smNativeData xmlns="smNativeData" xmlns:pr="smNativeData" xmlns:p15="http://schemas.microsoft.com/office/powerpoint/2012/main" xmlns:p14="http://schemas.microsoft.com/office/powerpoint/2010/main" xmlns:mc="http://schemas.openxmlformats.org/markup-compatibility/2006" val="SMDATA_16_xzE7ZxMAAAAlAAAAZAAAAA0AAAAAkAAAAEgAAACQAAAASAAAAAAAAAABAAAAAAAAAAEAAABQAAAAAAAAAAAA4D8AAAAAAADgPwAAAAAAAOA/AAAAAAAA4D8AAAAAAADgPwAAAAAAAOA/AAAAAAAA4D8AAAAAAADgPwAAAAAAAOA/AAAAAAAA4D8CAAAAjAAAAAAAAAAAAAAARHLEDP///wgAAAAAAAAAAAAAAAAAAAAAAAAAAAAAAAAAAAAAZAAAAAEAAABAAAAAAAAAAAAAAAAAAAAAAAAAAAAAAAAAAAAAAAAAAAAAAAAAAAAAAAAAAAAAAAAAAAAAAAAAAAAAAAAAAAAAAAAAAAAAAAAAAAAAAAAAAAAAAAAAAAAAFAAAADwAAAAAAAAAAAAAAAAAAAkUAAAAAQAAABQAAAAUAAAAFAAAAAEAAAAAAAAAZAAAAGQAAAAAAAAAZAAAAGQAAAAVAAAAYAAAAAAAAAAAAAAADwAAACADAAAAAAAAAAAAAAEAAACgMgAAVgcAAKr4//8BAAAAf39/AAEAAABkAAAAAAAAABQAAABAHwAAAAAAACYAAAAAAAAAwOD//wAAAAAmAAAAZAAAABYAAABMAAAAAAAAAAAAAAAEAAAAAAAAAAEAAADn5uYKAAAAACgAAAAoAAAAZAAAAGQAAAAAAAAAzMzMAAAAAABQAAAAUAAAAGQAAABkAAAAAAAAABcAAAAUAAAAAAAAAAAAAAD/fwAA/38AAAAAAAAJAAAABAAAAAAAAAAeAAAAaAAAAAAAAAAAAAAAAAAAAAAAAAAAAAAAECcAABAnAAAAAAAAAAAAAAAAAAAAAAAAAAAAAAAAAAAAAAAAAAAAABQAAAAAAAAAwMD/AAAAAABkAAAAMgAAAAAAAABkAAAAAAAAAH9/fwAKAAAAIgAAABgAAAAAAAAAAAAAAAAAAAAAAAAAAAAAAAAAAAAkAAAAJAAAAAAAAAAHAAAAAAAAAAAAAAAAAAAAAAAAAAAAAAAAAAAAf39/ACUAAABYAAAAAAAAAAAAAAAAAAAAAAAAAAAAAAAAAAAAAAAAAAAAAAAAAAAAAAAAAAAAAAA/AAAAAAAAAKCGAQAAAAAAAAAAAAAAAAAMAAAAAQAAAAAAAAAAAAAAAAAAAB8AAABUAAAARHLEBf///wEAAAAAAAAAAAAAAAAAAAAAAAAAAAAAAAAAAAAAAAAAAAAAAAJ/f38A5+bmA8zMzADAwP8Af39/AAAAAAAAAAAAAAAAAAAAAAAAAAAAIQAAABgAAAAUAAAAKAUAAD8CAADYRQAAZwoAABAAAAAmAAAACAAAAAAAAAAAAAAAMAAAABQAAAAAAAAAAAD//wAAAQAAAP//AAABAA=="/>
+                <pr:smNativeData xmlns:mc="http://schemas.openxmlformats.org/markup-compatibility/2006" xmlns:p14="http://schemas.microsoft.com/office/powerpoint/2010/main" xmlns:p15="http://schemas.microsoft.com/office/powerpoint/2012/main" xmlns:pr="smNativeData" xmlns="smNativeData" val="SMDATA_16_xzE7ZxMAAAAlAAAAZAAAAA0AAAAAkAAAAEgAAACQAAAASAAAAAAAAAABAAAAAAAAAAEAAABQAAAAAAAAAAAA4D8AAAAAAADgPwAAAAAAAOA/AAAAAAAA4D8AAAAAAADgPwAAAAAAAOA/AAAAAAAA4D8AAAAAAADgPwAAAAAAAOA/AAAAAAAA4D8CAAAAjAAAAAAAAAAAAAAARHLEDP///wgAAAAAAAAAAAAAAAAAAAAAAAAAAAAAAAAAAAAAZAAAAAEAAABAAAAAAAAAAAAAAAAAAAAAAAAAAAAAAAAAAAAAAAAAAAAAAAAAAAAAAAAAAAAAAAAAAAAAAAAAAAAAAAAAAAAAAAAAAAAAAAAAAAAAAAAAAAAAAAAAAAAAFAAAADwAAAAAAAAAAAAAAAAAAAkUAAAAAQAAABQAAAAUAAAAFAAAAAEAAAAAAAAAZAAAAGQAAAAAAAAAZAAAAGQAAAAVAAAAYAAAAAAAAAAAAAAADwAAACADAAAAAAAAAAAAAAEAAACgMgAAVgcAAKr4//8BAAAAf39/AAEAAABkAAAAAAAAABQAAABAHwAAAAAAACYAAAAAAAAAwOD//wAAAAAmAAAAZAAAABYAAABMAAAAAAAAAAAAAAAEAAAAAAAAAAEAAADn5uYKAAAAACgAAAAoAAAAZAAAAGQAAAAAAAAAzMzMAAAAAABQAAAAUAAAAGQAAABkAAAAAAAAABcAAAAUAAAAAAAAAAAAAAD/fwAA/38AAAAAAAAJAAAABAAAAAAAAAAeAAAAaAAAAAAAAAAAAAAAAAAAAAAAAAAAAAAAECcAABAnAAAAAAAAAAAAAAAAAAAAAAAAAAAAAAAAAAAAAAAAAAAAABQAAAAAAAAAwMD/AAAAAABkAAAAMgAAAAAAAABkAAAAAAAAAH9/fwAKAAAAIgAAABgAAAAAAAAAAAAAAAAAAAAAAAAAAAAAAAAAAAAkAAAAJAAAAAAAAAAHAAAAAAAAAAAAAAAAAAAAAAAAAAAAAAAAAAAAf39/ACUAAABYAAAAAAAAAAAAAAAAAAAAAAAAAAAAAAAAAAAAAAAAAAAAAAAAAAAAAAAAAAAAAAA/AAAAAAAAAKCGAQAAAAAAAAAAAAAAAAAMAAAAAQAAAAAAAAAAAAAAAAAAAB8AAABUAAAARHLEBf///wEAAAAAAAAAAAAAAAAAAAAAAAAAAAAAAAAAAAAAAAAAAAAAAAJ/f38A5+bmA8zMzADAwP8Af39/AAAAAAAAAAAAAAAAAAAAAAAAAAAAIQAAABgAAAAUAAAAKAUAAD8CAADYRQAAZwoAABAAAAAmAAAACAAAAAAAAAAAAAAAMAAAABQAAAAAAAAAAAD//wAAAQAAAP//AAABAA=="/>
               </a:ext>
             </a:extLst>
           </p:cNvSpPr>
@@ -5542,7 +5542,7 @@
             <a:spLocks noGrp="1" noChangeArrowheads="1"/>
             <a:extLst>
               <a:ext uri="smNativeData">
-                <pr:smNativeData xmlns="smNativeData" xmlns:pr="smNativeData" xmlns:p15="http://schemas.microsoft.com/office/powerpoint/2012/main" xmlns:p14="http://schemas.microsoft.com/office/powerpoint/2010/main" xmlns:mc="http://schemas.openxmlformats.org/markup-compatibility/2006" val="SMDATA_16_xzE7ZxMAAAAlAAAAZAAAAA0AAAAAkAAAAEgAAACQAAAASAAAAAAAAAAAAAAAAAAAAAEAAABQAAAAAAAAAAAA4D8AAAAAAADgPwAAAAAAAOA/AAAAAAAA4D8AAAAAAADgPwAAAAAAAOA/AAAAAAAA4D8AAAAAAADgPwAAAAAAAOA/AAAAAAAA4D8CAAAAjAAAAAAAAAAAAAAARHLEDP///wgAAAAAAAAAAAAAAAAAAAAAAAAAAAAAAAAAAAAAZAAAAAEAAABAAAAAAAAAAAAAAAAAAAAAAAAAAAAAAAAAAAAAAAAAAAAAAAAAAAAAAAAAAAAAAAAAAAAAAAAAAAAAAAAAAAAAAAAAAAAAAAAAAAAAAAAAAAAAAAAAAAAAFAAAADwAAAAAAAAAAAAAAAAAAAkUAAAAAQAAABQAAAAUAAAAFAAAAAEAAAAAAAAAZAAAAGQAAAAAAAAAZAAAAGQAAAAVAAAAYAAAAAAAAAAAAAAADwAAACADAAAAAAAAAAAAAAEAAACgMgAAVgcAAKr4//8BAAAAf39/AAEAAABkAAAAAAAAABQAAABAHwAAAAAAACYAAAAAAAAAwOD//wAAAAAmAAAAZAAAABYAAABMAAAAAAAAAAAAAAAEAAAAAAAAAAEAAADn5uYKAAAAACgAAAAoAAAAZAAAAGQAAAAAAAAAzMzMAAAAAABQAAAAUAAAAGQAAABkAAAAAAAAABcAAAAUAAAAAAAAAAAAAAD/fwAA/38AAAAAAAAJAAAABAAAAAAAAAAeAAAAaAAAAAAAAAAAAAAAAAAAAAAAAAAAAAAAECcAABAnAAAAAAAAAAAAAAAAAAAAAAAAAAAAAAAAAAAAAAAAAAAAABQAAAAAAAAAwMD/AAAAAABkAAAAMgAAAAAAAABkAAAAAAAAAH9/fwAKAAAAIgAAABgAAAAAAAAAAAAAAAAAAAAAAAAAAAAAAAAAAAAkAAAAJAAAAAAAAAAHAAAAAAAAAAAAAAAAAAAAAAAAAAAAAAAAAAAAf39/ACUAAABYAAAAAAAAAAAAAAAAAAAAAAAAAAAAAAAAAAAAAAAAAAAAAAAAAAAAAAAAAAAAAAA/AAAAAAAAAKCGAQAAAAAAAAAAAAAAAAAMAAAAAQAAAAAAAAAAAAAAAAAAAB8AAABUAAAARHLEBf///wEAAAAAAAAAAAAAAAAAAAAAAAAAAAAAAAAAAAAAAAAAAAAAAAJ/f38A5+bmA8zMzADAwP8Af39/AAAAAAAAAAAAAAAAAAAAAAAAAAAAIQAAABgAAAAUAAAAKAUAADsLAADYRQAAACYAABAAAAAmAAAACAAAAAAAAAAAAAAAMAAAABQAAAAAAAAAAAD//wAAAQAAAP//AAABAA=="/>
+                <pr:smNativeData xmlns:mc="http://schemas.openxmlformats.org/markup-compatibility/2006" xmlns:p14="http://schemas.microsoft.com/office/powerpoint/2010/main" xmlns:p15="http://schemas.microsoft.com/office/powerpoint/2012/main" xmlns:pr="smNativeData" xmlns="smNativeData" val="SMDATA_16_xzE7ZxMAAAAlAAAAZAAAAA0AAAAAkAAAAEgAAACQAAAASAAAAAAAAAAAAAAAAAAAAAEAAABQAAAAAAAAAAAA4D8AAAAAAADgPwAAAAAAAOA/AAAAAAAA4D8AAAAAAADgPwAAAAAAAOA/AAAAAAAA4D8AAAAAAADgPwAAAAAAAOA/AAAAAAAA4D8CAAAAjAAAAAAAAAAAAAAARHLEDP///wgAAAAAAAAAAAAAAAAAAAAAAAAAAAAAAAAAAAAAZAAAAAEAAABAAAAAAAAAAAAAAAAAAAAAAAAAAAAAAAAAAAAAAAAAAAAAAAAAAAAAAAAAAAAAAAAAAAAAAAAAAAAAAAAAAAAAAAAAAAAAAAAAAAAAAAAAAAAAAAAAAAAAFAAAADwAAAAAAAAAAAAAAAAAAAkUAAAAAQAAABQAAAAUAAAAFAAAAAEAAAAAAAAAZAAAAGQAAAAAAAAAZAAAAGQAAAAVAAAAYAAAAAAAAAAAAAAADwAAACADAAAAAAAAAAAAAAEAAACgMgAAVgcAAKr4//8BAAAAf39/AAEAAABkAAAAAAAAABQAAABAHwAAAAAAACYAAAAAAAAAwOD//wAAAAAmAAAAZAAAABYAAABMAAAAAAAAAAAAAAAEAAAAAAAAAAEAAADn5uYKAAAAACgAAAAoAAAAZAAAAGQAAAAAAAAAzMzMAAAAAABQAAAAUAAAAGQAAABkAAAAAAAAABcAAAAUAAAAAAAAAAAAAAD/fwAA/38AAAAAAAAJAAAABAAAAAAAAAAeAAAAaAAAAAAAAAAAAAAAAAAAAAAAAAAAAAAAECcAABAnAAAAAAAAAAAAAAAAAAAAAAAAAAAAAAAAAAAAAAAAAAAAABQAAAAAAAAAwMD/AAAAAABkAAAAMgAAAAAAAABkAAAAAAAAAH9/fwAKAAAAIgAAABgAAAAAAAAAAAAAAAAAAAAAAAAAAAAAAAAAAAAkAAAAJAAAAAAAAAAHAAAAAAAAAAAAAAAAAAAAAAAAAAAAAAAAAAAAf39/ACUAAABYAAAAAAAAAAAAAAAAAAAAAAAAAAAAAAAAAAAAAAAAAAAAAAAAAAAAAAAAAAAAAAA/AAAAAAAAAKCGAQAAAAAAAAAAAAAAAAAMAAAAAQAAAAAAAAAAAAAAAAAAAB8AAABUAAAARHLEBf///wEAAAAAAAAAAAAAAAAAAAAAAAAAAAAAAAAAAAAAAAAAAAAAAAJ/f38A5+bmA8zMzADAwP8Af39/AAAAAAAAAAAAAAAAAAAAAAAAAAAAIQAAABgAAAAUAAAAKAUAADsLAADYRQAAACYAABAAAAAmAAAACAAAAAAAAAAAAAAAMAAAABQAAAAAAAAAAAD//wAAAQAAAP//AAABAA=="/>
               </a:ext>
             </a:extLst>
           </p:cNvSpPr>
@@ -5625,7 +5625,7 @@
             <a:spLocks noGrp="1" noChangeArrowheads="1"/>
             <a:extLst>
               <a:ext uri="smNativeData">
-                <pr:smNativeData xmlns="smNativeData" xmlns:pr="smNativeData" xmlns:p15="http://schemas.microsoft.com/office/powerpoint/2012/main" xmlns:p14="http://schemas.microsoft.com/office/powerpoint/2010/main" xmlns:mc="http://schemas.openxmlformats.org/markup-compatibility/2006" val="SMDATA_16_xzE7ZxMAAAAlAAAAZAAAAA0AAAAAkAAAAEgAAACQAAAASAAAAAAAAAABAAAAAAAAAAEAAABQAAAAAAAAAAAA4D8AAAAAAADgPwAAAAAAAOA/AAAAAAAA4D8AAAAAAADgPwAAAAAAAOA/AAAAAAAA4D8AAAAAAADgPwAAAAAAAOA/AAAAAAAA4D8CAAAAjAAAAAAAAAAAAAAARHLEDP///wgAAAAAAAAAAAAAAAAAAAAAAAAAAAAAAAAAAAAAZAAAAAEAAABAAAAAAAAAAAAAAAAAAAAAAAAAAAAAAAAAAAAAAAAAAAAAAAAAAAAAAAAAAAAAAAAAAAAAAAAAAAAAAAAAAAAAAAAAAAAAAAAAAAAAAAAAAAAAAAAAAAAAFAAAADwAAAAAAAAAAAAAAAAAAAkUAAAAAQAAABQAAAAUAAAAFAAAAAEAAAAAAAAAZAAAAGQAAAAAAAAAZAAAAGQAAAAVAAAAYAAAAAAAAAAAAAAADwAAACADAAAAAAAAAAAAAAEAAACgMgAAVgcAAKr4//8BAAAAf39/AAEAAABkAAAAAAAAABQAAABAHwAAAAAAACYAAAAAAAAAwOD//wAAAAAmAAAAZAAAABYAAABMAAAAAAAAAAAAAAAEAAAAAAAAAAEAAADn5uYKAAAAACgAAAAoAAAAZAAAAGQAAAAAAAAAzMzMAAAAAABQAAAAUAAAAGQAAABkAAAAAAAAABcAAAAUAAAAAAAAAAAAAAD/fwAA/38AAAAAAAAJAAAABAAAAAAAAAAeAAAAaAAAAAAAAAAAAAAAAAAAAAAAAAAAAAAAECcAABAnAAAAAAAAAAAAAAAAAAAAAAAAAAAAAAAAAAAAAAAAAAAAABQAAAAAAAAAwMD/AAAAAABkAAAAMgAAAAAAAABkAAAAAAAAAH9/fwAKAAAAIgAAABgAAAAAAAAAAAAAAAAAAAAAAAAAAAAAAAAAAAAkAAAAJAAAAAAAAAAHAAAAAAAAAAAAAAAAAAAAAAAAAAAAAAAAAAAAf39/ACUAAABYAAAAAAAAAAAAAAAAAAAAAAAAAAAAAAAAAAAAAAAAAAAAAAAAAAAAAAAAAAAAAAA/AAAAAAAAAKCGAQAAAAAAAAAAAAAAAAAMAAAAAQAAAAAAAAAAAAAAAAAAAB8AAABUAAAARHLEBf///wEAAAAAAAAAAAAAAAAAAAAAAAAAAAAAAAAAAAAAAAAAAAAAAAJ/f38A5+bmA8zMzADAwP8Af39/AAAAAAAAAAAAAAAAAAAAAAAAAAAAIQAAABgAAAAUAAAAKAUAAD8CAADYRQAAZwoAABAAAAAmAAAACAAAAAAAAAAAAAAAMAAAABQAAAAAAAAAAAD//wAAAQAAAP//AAABAA=="/>
+                <pr:smNativeData xmlns:mc="http://schemas.openxmlformats.org/markup-compatibility/2006" xmlns:p14="http://schemas.microsoft.com/office/powerpoint/2010/main" xmlns:p15="http://schemas.microsoft.com/office/powerpoint/2012/main" xmlns:pr="smNativeData" xmlns="smNativeData" val="SMDATA_16_xzE7ZxMAAAAlAAAAZAAAAA0AAAAAkAAAAEgAAACQAAAASAAAAAAAAAABAAAAAAAAAAEAAABQAAAAAAAAAAAA4D8AAAAAAADgPwAAAAAAAOA/AAAAAAAA4D8AAAAAAADgPwAAAAAAAOA/AAAAAAAA4D8AAAAAAADgPwAAAAAAAOA/AAAAAAAA4D8CAAAAjAAAAAAAAAAAAAAARHLEDP///wgAAAAAAAAAAAAAAAAAAAAAAAAAAAAAAAAAAAAAZAAAAAEAAABAAAAAAAAAAAAAAAAAAAAAAAAAAAAAAAAAAAAAAAAAAAAAAAAAAAAAAAAAAAAAAAAAAAAAAAAAAAAAAAAAAAAAAAAAAAAAAAAAAAAAAAAAAAAAAAAAAAAAFAAAADwAAAAAAAAAAAAAAAAAAAkUAAAAAQAAABQAAAAUAAAAFAAAAAEAAAAAAAAAZAAAAGQAAAAAAAAAZAAAAGQAAAAVAAAAYAAAAAAAAAAAAAAADwAAACADAAAAAAAAAAAAAAEAAACgMgAAVgcAAKr4//8BAAAAf39/AAEAAABkAAAAAAAAABQAAABAHwAAAAAAACYAAAAAAAAAwOD//wAAAAAmAAAAZAAAABYAAABMAAAAAAAAAAAAAAAEAAAAAAAAAAEAAADn5uYKAAAAACgAAAAoAAAAZAAAAGQAAAAAAAAAzMzMAAAAAABQAAAAUAAAAGQAAABkAAAAAAAAABcAAAAUAAAAAAAAAAAAAAD/fwAA/38AAAAAAAAJAAAABAAAAAAAAAAeAAAAaAAAAAAAAAAAAAAAAAAAAAAAAAAAAAAAECcAABAnAAAAAAAAAAAAAAAAAAAAAAAAAAAAAAAAAAAAAAAAAAAAABQAAAAAAAAAwMD/AAAAAABkAAAAMgAAAAAAAABkAAAAAAAAAH9/fwAKAAAAIgAAABgAAAAAAAAAAAAAAAAAAAAAAAAAAAAAAAAAAAAkAAAAJAAAAAAAAAAHAAAAAAAAAAAAAAAAAAAAAAAAAAAAAAAAAAAAf39/ACUAAABYAAAAAAAAAAAAAAAAAAAAAAAAAAAAAAAAAAAAAAAAAAAAAAAAAAAAAAAAAAAAAAA/AAAAAAAAAKCGAQAAAAAAAAAAAAAAAAAMAAAAAQAAAAAAAAAAAAAAAAAAAB8AAABUAAAARHLEBf///wEAAAAAAAAAAAAAAAAAAAAAAAAAAAAAAAAAAAAAAAAAAAAAAAJ/f38A5+bmA8zMzADAwP8Af39/AAAAAAAAAAAAAAAAAAAAAAAAAAAAIQAAABgAAAAUAAAAKAUAAD8CAADYRQAAZwoAABAAAAAmAAAACAAAAAAAAAAAAAAAMAAAABQAAAAAAAAAAAD//wAAAQAAAP//AAABAA=="/>
               </a:ext>
             </a:extLst>
           </p:cNvSpPr>
@@ -5652,7 +5652,7 @@
             <a:spLocks noGrp="1" noChangeArrowheads="1"/>
             <a:extLst>
               <a:ext uri="smNativeData">
-                <pr:smNativeData xmlns="smNativeData" xmlns:pr="smNativeData" xmlns:p15="http://schemas.microsoft.com/office/powerpoint/2012/main" xmlns:p14="http://schemas.microsoft.com/office/powerpoint/2010/main" xmlns:mc="http://schemas.openxmlformats.org/markup-compatibility/2006" val="SMDATA_16_xzE7ZxMAAAAlAAAAZAAAAA0AAAAAkAAAAEgAAACQAAAASAAAAAAAAAAAAAAAAAAAAAEAAABQAAAAAAAAAAAA4D8AAAAAAADgPwAAAAAAAOA/AAAAAAAA4D8AAAAAAADgPwAAAAAAAOA/AAAAAAAA4D8AAAAAAADgPwAAAAAAAOA/AAAAAAAA4D8CAAAAjAAAAAAAAAAAAAAARHLEDP///wgAAAAAAAAAAAAAAAAAAAAAAAAAAAAAAAAAAAAAZAAAAAEAAABAAAAAAAAAAAAAAAAAAAAAAAAAAAAAAAAAAAAAAAAAAAAAAAAAAAAAAAAAAAAAAAAAAAAAAAAAAAAAAAAAAAAAAAAAAAAAAAAAAAAAAAAAAAAAAAAAAAAAFAAAADwAAAAAAAAAAAAAAAAAAAkUAAAAAQAAABQAAAAUAAAAFAAAAAEAAAAAAAAAZAAAAGQAAAAAAAAAZAAAAGQAAAAVAAAAYAAAAAAAAAAAAAAADwAAACADAAAAAAAAAAAAAAEAAACgMgAAVgcAAKr4//8BAAAAf39/AAEAAABkAAAAAAAAABQAAABAHwAAAAAAACYAAAAAAAAAwOD//wAAAAAmAAAAZAAAABYAAABMAAAAAAAAAAAAAAAEAAAAAAAAAAEAAADn5uYKAAAAACgAAAAoAAAAZAAAAGQAAAAAAAAAzMzMAAAAAABQAAAAUAAAAGQAAABkAAAAAAAAABcAAAAUAAAAAAAAAAAAAAD/fwAA/38AAAAAAAAJAAAABAAAAAAAAAAeAAAAaAAAAAAAAAAAAAAAAAAAAAAAAAAAAAAAECcAABAnAAAAAAAAAAAAAAAAAAAAAAAAAAAAAAAAAAAAAAAAAAAAABQAAAAAAAAAwMD/AAAAAABkAAAAMgAAAAAAAABkAAAAAAAAAH9/fwAKAAAAIgAAABgAAAAAAAAAAAAAAAAAAAAAAAAAAAAAAAAAAAAkAAAAJAAAAAAAAAAHAAAAAAAAAAAAAAAAAAAAAAAAAAAAAAAAAAAAf39/ACUAAABYAAAAAAAAAAAAAAAAAAAAAAAAAAAAAAAAAAAAAAAAAAAAAAAAAAAAAAAAAAAAAAA/AAAAAAAAAKCGAQAAAAAAAAAAAAAAAAAMAAAAAQAAAAAAAAAAAAAAAAAAAB8AAABUAAAARHLEBf///wEAAAAAAAAAAAAAAAAAAAAAAAAAAAAAAAAAAAAAAAAAAAAAAAJ/f38A5+bmA8zMzADAwP8Af39/AAAAAAAAAAAAAAAAAAAAAAAAAAAAIQAAABgAAAAUAAAAKAUAADsLAADYRQAAACYAABAAAAAmAAAACAAAAAAAAAAAAAAAMAAAABQAAAAAAAAAAAD//wAAAQAAAP//AAABAA=="/>
+                <pr:smNativeData xmlns:mc="http://schemas.openxmlformats.org/markup-compatibility/2006" xmlns:p14="http://schemas.microsoft.com/office/powerpoint/2010/main" xmlns:p15="http://schemas.microsoft.com/office/powerpoint/2012/main" xmlns:pr="smNativeData" xmlns="smNativeData" val="SMDATA_16_xzE7ZxMAAAAlAAAAZAAAAA0AAAAAkAAAAEgAAACQAAAASAAAAAAAAAAAAAAAAAAAAAEAAABQAAAAAAAAAAAA4D8AAAAAAADgPwAAAAAAAOA/AAAAAAAA4D8AAAAAAADgPwAAAAAAAOA/AAAAAAAA4D8AAAAAAADgPwAAAAAAAOA/AAAAAAAA4D8CAAAAjAAAAAAAAAAAAAAARHLEDP///wgAAAAAAAAAAAAAAAAAAAAAAAAAAAAAAAAAAAAAZAAAAAEAAABAAAAAAAAAAAAAAAAAAAAAAAAAAAAAAAAAAAAAAAAAAAAAAAAAAAAAAAAAAAAAAAAAAAAAAAAAAAAAAAAAAAAAAAAAAAAAAAAAAAAAAAAAAAAAAAAAAAAAFAAAADwAAAAAAAAAAAAAAAAAAAkUAAAAAQAAABQAAAAUAAAAFAAAAAEAAAAAAAAAZAAAAGQAAAAAAAAAZAAAAGQAAAAVAAAAYAAAAAAAAAAAAAAADwAAACADAAAAAAAAAAAAAAEAAACgMgAAVgcAAKr4//8BAAAAf39/AAEAAABkAAAAAAAAABQAAABAHwAAAAAAACYAAAAAAAAAwOD//wAAAAAmAAAAZAAAABYAAABMAAAAAAAAAAAAAAAEAAAAAAAAAAEAAADn5uYKAAAAACgAAAAoAAAAZAAAAGQAAAAAAAAAzMzMAAAAAABQAAAAUAAAAGQAAABkAAAAAAAAABcAAAAUAAAAAAAAAAAAAAD/fwAA/38AAAAAAAAJAAAABAAAAAAAAAAeAAAAaAAAAAAAAAAAAAAAAAAAAAAAAAAAAAAAECcAABAnAAAAAAAAAAAAAAAAAAAAAAAAAAAAAAAAAAAAAAAAAAAAABQAAAAAAAAAwMD/AAAAAABkAAAAMgAAAAAAAABkAAAAAAAAAH9/fwAKAAAAIgAAABgAAAAAAAAAAAAAAAAAAAAAAAAAAAAAAAAAAAAkAAAAJAAAAAAAAAAHAAAAAAAAAAAAAAAAAAAAAAAAAAAAAAAAAAAAf39/ACUAAABYAAAAAAAAAAAAAAAAAAAAAAAAAAAAAAAAAAAAAAAAAAAAAAAAAAAAAAAAAAAAAAA/AAAAAAAAAKCGAQAAAAAAAAAAAAAAAAAMAAAAAQAAAAAAAAAAAAAAAAAAAB8AAABUAAAARHLEBf///wEAAAAAAAAAAAAAAAAAAAAAAAAAAAAAAAAAAAAAAAAAAAAAAAJ/f38A5+bmA8zMzADAwP8Af39/AAAAAAAAAAAAAAAAAAAAAAAAAAAAIQAAABgAAAAUAAAAKAUAADsLAADYRQAAACYAABAAAAAmAAAACAAAAAAAAAAAAAAAMAAAABQAAAAAAAAAAAD//wAAAQAAAP//AAABAA=="/>
               </a:ext>
             </a:extLst>
           </p:cNvSpPr>
@@ -5679,7 +5679,7 @@
             <a:picLocks noChangeAspect="1"/>
             <a:extLst>
               <a:ext uri="smNativeData">
-                <pr:smNativeData xmlns="smNativeData" xmlns:pr="smNativeData" xmlns:p15="http://schemas.microsoft.com/office/powerpoint/2012/main" xmlns:p14="http://schemas.microsoft.com/office/powerpoint/2010/main" xmlns:mc="http://schemas.openxmlformats.org/markup-compatibility/2006" val="SMDATA_18_xzE7ZxMAAAAlAAAAEQAAAC8BAAAAkAAAAEgAAACQAAAASAAAAAAAAAAAAAAAAAAAAAEAAABQAAAAAAAAAAAA4D8AAAAAAADgPwAAAAAAAOA/AAAAAAAA4D8AAAAAAADgPwAAAAAAAOA/AAAAAAAA4D8AAAAAAADgPwAAAAAAAOA/AAAAAAAA4D8CAAAAjAAAAAAAAAAAAAAARHLEDP///wgAAAAAAAAAAAAAAAAAAAAAAAAAAAAAAAAAAAAAZAAAAAEAAABAAAAAAAAAAAAAAAAAAAAAAAAAAAAAAAAAAAAAAAAAAAAAAAAAAAAAAAAAAAAAAAAAAAAAAAAAAAAAAAAAAAAAAAAAAAAAAAAAAAAAAAAAAAAAAAAAAAAAFAAAADwAAAAAAAAAAAAAAAAAAAkUAAAAAQAAABQAAAAUAAAAFAAAAAEAAAAAAAAAZAAAAGQAAAAAAAAAZAAAAGQAAAAVAAAAYAAAAAAAAAAAAAAADwAAACADAAAAAAAAAAAAAAEAAACgMgAAVgcAAKr4//8BAAAAf39/AAEAAABkAAAAAAAAABQAAABAHwAAAAAAACYAAAAAAAAAwOD//wAAAAAmAAAAZAAAABYAAABMAAAAAAAAAAAAAAAEAAAAAAAAAAEAAADn5uYKAAAAACgAAAAoAAAAZAAAAGQAAAAAAAAAzMzMAAAAAABQAAAAUAAAAGQAAABkAAAAAAAAAAcAAAA4AAAAAAAAAAAAAAAAAAAA////AAAAAAAAAAAAAAAAAAAAAAAAAAAAAAAAAAAAAABkAAAAZAAAAAAAAAAjAAAABAAAAGQAAAAXAAAAFAAAAAAAAAAAAAAA/38AAP9/AAAAAAAACQAAAAQAAAAAAAAAHgAAAGgAAAAAAAAAAAAAAAAAAAAAAAAAAAAAABAnAAAQJwAAAAAAAAAAAAAAAAAAAAAAAAAAAAAAAAAAAAAAAAAAAAAUAAAAAAAAAMDA/wAAAAAAZAAAADIAAAAAAAAAZAAAAAAAAAB/f38ACgAAACIAAAAYAAAAAAAAAAAAAAAAAAAAAAAAAAAAAAAAAAAAJAAAACQAAAAAAAAABwAAAAAAAAAAAAAAAAAAAAAAAAAAAAAAAAAAAH9/fwAlAAAAWAAAAAAAAAAAAAAAAAAAAAAAAAAAAAAAAAAAAAAAAAAAAAAAAAAAAAAAAAAAAAAAPwAAAAAAAACghgEAAAAAAAAAAAAAAAAADAAAAAEAAAAAAAAAAAAAAAAAAAAfAAAAVAAAAERyxAX///8BAAAAAAAAAAAAAAAAAAAAAAAAAAAAAAAAAAAAAAAAAAAAAAACf39/AOfm5gPMzMwAwMD/AH9/fwAAAAAAAAAAAAAAAAD///8AAAAAACEAAAAYAAAAFAAAAP4AAAD9AAAARzMAAL8WAAAQAAAAJgAAAAgAAAD//////////zAAAAAUAAAAAAAAAAAA//8AAAEAAAD//wAAAQA="/>
+                <pr:smNativeData xmlns:mc="http://schemas.openxmlformats.org/markup-compatibility/2006" xmlns:p14="http://schemas.microsoft.com/office/powerpoint/2010/main" xmlns:p15="http://schemas.microsoft.com/office/powerpoint/2012/main" xmlns:pr="smNativeData" xmlns="smNativeData" val="SMDATA_18_xzE7ZxMAAAAlAAAAEQAAAC8BAAAAkAAAAEgAAACQAAAASAAAAAAAAAAAAAAAAAAAAAEAAABQAAAAAAAAAAAA4D8AAAAAAADgPwAAAAAAAOA/AAAAAAAA4D8AAAAAAADgPwAAAAAAAOA/AAAAAAAA4D8AAAAAAADgPwAAAAAAAOA/AAAAAAAA4D8CAAAAjAAAAAAAAAAAAAAARHLEDP///wgAAAAAAAAAAAAAAAAAAAAAAAAAAAAAAAAAAAAAZAAAAAEAAABAAAAAAAAAAAAAAAAAAAAAAAAAAAAAAAAAAAAAAAAAAAAAAAAAAAAAAAAAAAAAAAAAAAAAAAAAAAAAAAAAAAAAAAAAAAAAAAAAAAAAAAAAAAAAAAAAAAAAFAAAADwAAAAAAAAAAAAAAAAAAAkUAAAAAQAAABQAAAAUAAAAFAAAAAEAAAAAAAAAZAAAAGQAAAAAAAAAZAAAAGQAAAAVAAAAYAAAAAAAAAAAAAAADwAAACADAAAAAAAAAAAAAAEAAACgMgAAVgcAAKr4//8BAAAAf39/AAEAAABkAAAAAAAAABQAAABAHwAAAAAAACYAAAAAAAAAwOD//wAAAAAmAAAAZAAAABYAAABMAAAAAAAAAAAAAAAEAAAAAAAAAAEAAADn5uYKAAAAACgAAAAoAAAAZAAAAGQAAAAAAAAAzMzMAAAAAABQAAAAUAAAAGQAAABkAAAAAAAAAAcAAAA4AAAAAAAAAAAAAAAAAAAA////AAAAAAAAAAAAAAAAAAAAAAAAAAAAAAAAAAAAAABkAAAAZAAAAAAAAAAjAAAABAAAAGQAAAAXAAAAFAAAAAAAAAAAAAAA/38AAP9/AAAAAAAACQAAAAQAAAAAAAAAHgAAAGgAAAAAAAAAAAAAAAAAAAAAAAAAAAAAABAnAAAQJwAAAAAAAAAAAAAAAAAAAAAAAAAAAAAAAAAAAAAAAAAAAAAUAAAAAAAAAMDA/wAAAAAAZAAAADIAAAAAAAAAZAAAAAAAAAB/f38ACgAAACIAAAAYAAAAAAAAAAAAAAAAAAAAAAAAAAAAAAAAAAAAJAAAACQAAAAAAAAABwAAAAAAAAAAAAAAAAAAAAAAAAAAAAAAAAAAAH9/fwAlAAAAWAAAAAAAAAAAAAAAAAAAAAAAAAAAAAAAAAAAAAAAAAAAAAAAAAAAAAAAAAAAAAAAPwAAAAAAAACghgEAAAAAAAAAAAAAAAAADAAAAAEAAAAAAAAAAAAAAAAAAAAfAAAAVAAAAERyxAX///8BAAAAAAAAAAAAAAAAAAAAAAAAAAAAAAAAAAAAAAAAAAAAAAACf39/AOfm5gPMzMwAwMD/AH9/fwAAAAAAAAAAAAAAAAD///8AAAAAACEAAAAYAAAAFAAAAP4AAAD9AAAARzMAAL8WAAAQAAAAJgAAAAgAAAD//////////zAAAAAUAAAAAAAAAAAA//8AAAEAAAD//wAAAQA="/>
               </a:ext>
             </a:extLst>
           </p:cNvPicPr>
@@ -5713,7 +5713,7 @@
             <a:picLocks noChangeAspect="1"/>
             <a:extLst>
               <a:ext uri="smNativeData">
-                <pr:smNativeData xmlns="smNativeData" xmlns:pr="smNativeData" xmlns:p15="http://schemas.microsoft.com/office/powerpoint/2012/main" xmlns:p14="http://schemas.microsoft.com/office/powerpoint/2010/main" xmlns:mc="http://schemas.openxmlformats.org/markup-compatibility/2006" val="SMDATA_18_xzE7ZxMAAAAlAAAAEQAAAC8BAAAAkAAAAEgAAACQAAAASAAAAAAAAAAAAAAAAAAAAAEAAABQAAAAAAAAAAAA4D8AAAAAAADgPwAAAAAAAOA/AAAAAAAA4D8AAAAAAADgPwAAAAAAAOA/AAAAAAAA4D8AAAAAAADgPwAAAAAAAOA/AAAAAAAA4D8CAAAAjAAAAAAAAAAAAAAARHLEDP///wgAAAAAAAAAAAAAAAAAAAAAAAAAAAAAAAAAAAAAZAAAAAEAAABAAAAAAAAAAAAAAAAAAAAAAAAAAAAAAAAAAAAAAAAAAAAAAAAAAAAAAAAAAAAAAAAAAAAAAAAAAAAAAAAAAAAAAAAAAAAAAAAAAAAAAAAAAAAAAAAAAAAAFAAAADwAAAAAAAAAAAAAAAAAAAkUAAAAAQAAABQAAAAUAAAAFAAAAAEAAAAAAAAAZAAAAGQAAAAAAAAAZAAAAGQAAAAVAAAAYAAAAAAAAAAAAAAADwAAACADAAAAAAAAAAAAAAEAAACgMgAAVgcAAKr4//8BAAAAf39/AAEAAABkAAAAAAAAABQAAABAHwAAAAAAACYAAAAAAAAAwOD//wAAAAAmAAAAZAAAABYAAABMAAAAAAAAAAAAAAAEAAAAAAAAAAEAAADn5uYKAAAAACgAAAAoAAAAZAAAAGQAAAAAAAAAzMzMAAAAAABQAAAAUAAAAGQAAABkAAAAAAAAAAcAAAA4AAAAAAAAAAAAAAAAAAAA////AAAAAAAAAAAAAAAAAAAAAAAAAAAAAAAAAAAAAABkAAAAZAAAAAAAAAAjAAAABAAAAGQAAAAXAAAAFAAAAAAAAAAAAAAA/38AAP9/AAAAAAAACQAAAAQAAAAAAAAAHgAAAGgAAAAAAAAAAAAAAAAAAAAAAAAAAAAAABAnAAAQJwAAAAAAAAAAAAAAAAAAAAAAAAAAAAAAAAAAAAAAAAAAAAAUAAAAAAAAAMDA/wAAAAAAZAAAADIAAAAAAAAAZAAAAAAAAAB/f38ACgAAACIAAAAYAAAAAAAAAAAAAAAAAAAAAAAAAAAAAAAAAAAAJAAAACQAAAAAAAAABwAAAAAAAAAAAAAAAAAAAAAAAAAAAAAAAAAAAH9/fwAlAAAAWAAAAAAAAAAAAAAAAAAAAAAAAAAAAAAAAAAAAAAAAAAAAAAAAAAAAAAAAAAAAAAAPwAAAAAAAACghgEAAAAAAAAAAAAAAAAADAAAAAEAAAAAAAAAAAAAAAAAAAAfAAAAVAAAAERyxAX///8BAAAAAAAAAAAAAAAAAAAAAAAAAAAAAAAAAAAAAAAAAAAAAAACf39/AOfm5gPMzMwAwMD/AH9/fwAAAAAAAAAAAAAAAAD///8AAAAAACEAAAAYAAAAFAAAAIYBAADbGAAAyBoAAOEmAAAQAAAAJgAAAAgAAAD//////////zAAAAAUAAAAAAAAAAAA//8AAAEAAAD//wAAAQA="/>
+                <pr:smNativeData xmlns:mc="http://schemas.openxmlformats.org/markup-compatibility/2006" xmlns:p14="http://schemas.microsoft.com/office/powerpoint/2010/main" xmlns:p15="http://schemas.microsoft.com/office/powerpoint/2012/main" xmlns:pr="smNativeData" xmlns="smNativeData" val="SMDATA_18_xzE7ZxMAAAAlAAAAEQAAAC8BAAAAkAAAAEgAAACQAAAASAAAAAAAAAAAAAAAAAAAAAEAAABQAAAAAAAAAAAA4D8AAAAAAADgPwAAAAAAAOA/AAAAAAAA4D8AAAAAAADgPwAAAAAAAOA/AAAAAAAA4D8AAAAAAADgPwAAAAAAAOA/AAAAAAAA4D8CAAAAjAAAAAAAAAAAAAAARHLEDP///wgAAAAAAAAAAAAAAAAAAAAAAAAAAAAAAAAAAAAAZAAAAAEAAABAAAAAAAAAAAAAAAAAAAAAAAAAAAAAAAAAAAAAAAAAAAAAAAAAAAAAAAAAAAAAAAAAAAAAAAAAAAAAAAAAAAAAAAAAAAAAAAAAAAAAAAAAAAAAAAAAAAAAFAAAADwAAAAAAAAAAAAAAAAAAAkUAAAAAQAAABQAAAAUAAAAFAAAAAEAAAAAAAAAZAAAAGQAAAAAAAAAZAAAAGQAAAAVAAAAYAAAAAAAAAAAAAAADwAAACADAAAAAAAAAAAAAAEAAACgMgAAVgcAAKr4//8BAAAAf39/AAEAAABkAAAAAAAAABQAAABAHwAAAAAAACYAAAAAAAAAwOD//wAAAAAmAAAAZAAAABYAAABMAAAAAAAAAAAAAAAEAAAAAAAAAAEAAADn5uYKAAAAACgAAAAoAAAAZAAAAGQAAAAAAAAAzMzMAAAAAABQAAAAUAAAAGQAAABkAAAAAAAAAAcAAAA4AAAAAAAAAAAAAAAAAAAA////AAAAAAAAAAAAAAAAAAAAAAAAAAAAAAAAAAAAAABkAAAAZAAAAAAAAAAjAAAABAAAAGQAAAAXAAAAFAAAAAAAAAAAAAAA/38AAP9/AAAAAAAACQAAAAQAAAAAAAAAHgAAAGgAAAAAAAAAAAAAAAAAAAAAAAAAAAAAABAnAAAQJwAAAAAAAAAAAAAAAAAAAAAAAAAAAAAAAAAAAAAAAAAAAAAUAAAAAAAAAMDA/wAAAAAAZAAAADIAAAAAAAAAZAAAAAAAAAB/f38ACgAAACIAAAAYAAAAAAAAAAAAAAAAAAAAAAAAAAAAAAAAAAAAJAAAACQAAAAAAAAABwAAAAAAAAAAAAAAAAAAAAAAAAAAAAAAAAAAAH9/fwAlAAAAWAAAAAAAAAAAAAAAAAAAAAAAAAAAAAAAAAAAAAAAAAAAAAAAAAAAAAAAAAAAAAAAPwAAAAAAAACghgEAAAAAAAAAAAAAAAAADAAAAAEAAAAAAAAAAAAAAAAAAAAfAAAAVAAAAERyxAX///8BAAAAAAAAAAAAAAAAAAAAAAAAAAAAAAAAAAAAAAAAAAAAAAACf39/AOfm5gPMzMwAwMD/AH9/fwAAAAAAAAAAAAAAAAD///8AAAAAACEAAAAYAAAAFAAAAIYBAADbGAAAyBoAAOEmAAAQAAAAJgAAAAgAAAD//////////zAAAAAUAAAAAAAAAAAA//8AAAEAAAD//wAAAQA="/>
               </a:ext>
             </a:extLst>
           </p:cNvPicPr>
@@ -5747,7 +5747,7 @@
             <a:picLocks noChangeAspect="1"/>
             <a:extLst>
               <a:ext uri="smNativeData">
-                <pr:smNativeData xmlns="smNativeData" xmlns:pr="smNativeData" xmlns:p15="http://schemas.microsoft.com/office/powerpoint/2012/main" xmlns:p14="http://schemas.microsoft.com/office/powerpoint/2010/main" xmlns:mc="http://schemas.openxmlformats.org/markup-compatibility/2006" val="SMDATA_18_xzE7ZxMAAAAlAAAAEQAAAC8BAAAAkAAAAEgAAACQAAAASAAAAAAAAAAAAAAAAAAAAAEAAABQAAAAAAAAAAAA4D8AAAAAAADgPwAAAAAAAOA/AAAAAAAA4D8AAAAAAADgPwAAAAAAAOA/AAAAAAAA4D8AAAAAAADgPwAAAAAAAOA/AAAAAAAA4D8CAAAAjAAAAAAAAAAAAAAARHLEDP///wgAAAAAAAAAAAAAAAAAAAAAAAAAAAAAAAAAAAAAZAAAAAEAAABAAAAAAAAAAAAAAAAAAAAAAAAAAAAAAAAAAAAAAAAAAAAAAAAAAAAAAAAAAAAAAAAAAAAAAAAAAAAAAAAAAAAAAAAAAAAAAAAAAAAAAAAAAAAAAAAAAAAAFAAAADwAAAAAAAAAAAAAAAAAAAkUAAAAAQAAABQAAAAUAAAAFAAAAAEAAAAAAAAAZAAAAGQAAAAAAAAAZAAAAGQAAAAVAAAAYAAAAAAAAAAAAAAADwAAACADAAAAAAAAAAAAAAEAAACgMgAAVgcAAKr4//8BAAAAf39/AAEAAABkAAAAAAAAABQAAABAHwAAAAAAACYAAAAAAAAAwOD//wAAAAAmAAAAZAAAABYAAABMAAAAAAAAAAAAAAAEAAAAAAAAAAEAAADn5uYKAAAAACgAAAAoAAAAZAAAAGQAAAAAAAAAzMzMAAAAAABQAAAAUAAAAGQAAABkAAAAAAAAAAcAAAA4AAAAAAAAAAAAAAAAAAAA////AAAAAAAAAAAAAAAAAAAAAAAAAAAAAAAAAAAAAABkAAAAZAAAAAAAAAAjAAAABAAAAGQAAAAXAAAAFAAAAAAAAAAAAAAA/38AAP9/AAAAAAAACQAAAAQAAABkAAAAHgAAAGgAAAAAAAAAAAAAAAAAAAAAAAAAAAAAABAnAAAQJwAAAAAAAAAAAAAAAAAAAAAAAAAAAAAAAAAAAAAAAAAAAAAUAAAAAAAAAMDA/wAAAAAAZAAAADIAAAAAAAAAZAAAAAAAAAB/f38ACgAAACIAAAAYAAAAAAAAAAAAAAAAAAAAAAAAAAAAAAAAAAAAJAAAACQAAAAAAAAABwAAAAAAAAAAAAAAAAAAAAAAAAAAAAAAAAAAAH9/fwAlAAAAWAAAAAAAAAAAAAAAAAAAAAAAAAAAAAAAAAAAAAAAAAAAAAAAAAAAAAAAAAAAAAAAPwAAAAAAAACghgEAAAAAAAAAAAAAAAAADAAAAAEAAAAAAAAAAAAAAAAAAAAfAAAAVAAAAERyxAX///8BAAAAAAAAAAAAAAAAAAAAAAAAAAAAAAAAAAAAAAAAAAAAAAACf39/AOfm5gPMzMwAwMD/AH9/fwAAAAAAAAAAAAAAAAD///8AAAAAACEAAAAYAAAAFAAAAMMbAADsGwAAjjQAAG0mAAAQAAAAJgAAAAgAAAD//////////zAAAAAUAAAAAAAAAAAA//8AAAEAAAD//wAAAQA="/>
+                <pr:smNativeData xmlns:mc="http://schemas.openxmlformats.org/markup-compatibility/2006" xmlns:p14="http://schemas.microsoft.com/office/powerpoint/2010/main" xmlns:p15="http://schemas.microsoft.com/office/powerpoint/2012/main" xmlns:pr="smNativeData" xmlns="smNativeData" val="SMDATA_18_xzE7ZxMAAAAlAAAAEQAAAC8BAAAAkAAAAEgAAACQAAAASAAAAAAAAAAAAAAAAAAAAAEAAABQAAAAAAAAAAAA4D8AAAAAAADgPwAAAAAAAOA/AAAAAAAA4D8AAAAAAADgPwAAAAAAAOA/AAAAAAAA4D8AAAAAAADgPwAAAAAAAOA/AAAAAAAA4D8CAAAAjAAAAAAAAAAAAAAARHLEDP///wgAAAAAAAAAAAAAAAAAAAAAAAAAAAAAAAAAAAAAZAAAAAEAAABAAAAAAAAAAAAAAAAAAAAAAAAAAAAAAAAAAAAAAAAAAAAAAAAAAAAAAAAAAAAAAAAAAAAAAAAAAAAAAAAAAAAAAAAAAAAAAAAAAAAAAAAAAAAAAAAAAAAAFAAAADwAAAAAAAAAAAAAAAAAAAkUAAAAAQAAABQAAAAUAAAAFAAAAAEAAAAAAAAAZAAAAGQAAAAAAAAAZAAAAGQAAAAVAAAAYAAAAAAAAAAAAAAADwAAACADAAAAAAAAAAAAAAEAAACgMgAAVgcAAKr4//8BAAAAf39/AAEAAABkAAAAAAAAABQAAABAHwAAAAAAACYAAAAAAAAAwOD//wAAAAAmAAAAZAAAABYAAABMAAAAAAAAAAAAAAAEAAAAAAAAAAEAAADn5uYKAAAAACgAAAAoAAAAZAAAAGQAAAAAAAAAzMzMAAAAAABQAAAAUAAAAGQAAABkAAAAAAAAAAcAAAA4AAAAAAAAAAAAAAAAAAAA////AAAAAAAAAAAAAAAAAAAAAAAAAAAAAAAAAAAAAABkAAAAZAAAAAAAAAAjAAAABAAAAGQAAAAXAAAAFAAAAAAAAAAAAAAA/38AAP9/AAAAAAAACQAAAAQAAABkAAAAHgAAAGgAAAAAAAAAAAAAAAAAAAAAAAAAAAAAABAnAAAQJwAAAAAAAAAAAAAAAAAAAAAAAAAAAAAAAAAAAAAAAAAAAAAUAAAAAAAAAMDA/wAAAAAAZAAAADIAAAAAAAAAZAAAAAAAAAB/f38ACgAAACIAAAAYAAAAAAAAAAAAAAAAAAAAAAAAAAAAAAAAAAAAJAAAACQAAAAAAAAABwAAAAAAAAAAAAAAAAAAAAAAAAAAAAAAAAAAAH9/fwAlAAAAWAAAAAAAAAAAAAAAAAAAAAAAAAAAAAAAAAAAAAAAAAAAAAAAAAAAAAAAAAAAAAAAPwAAAAAAAACghgEAAAAAAAAAAAAAAAAADAAAAAEAAAAAAAAAAAAAAAAAAAAfAAAAVAAAAERyxAX///8BAAAAAAAAAAAAAAAAAAAAAAAAAAAAAAAAAAAAAAAAAAAAAAACf39/AOfm5gPMzMwAwMD/AH9/fwAAAAAAAAAAAAAAAAD///8AAAAAACEAAAAYAAAAFAAAAMMbAADsGwAAjjQAAG0mAAAQAAAAJgAAAAgAAAD//////////zAAAAAUAAAAAAAAAAAA//8AAAEAAAD//wAAAQA="/>
               </a:ext>
             </a:extLst>
           </p:cNvPicPr>
@@ -5813,7 +5813,7 @@
             <a:spLocks noGrp="1" noChangeArrowheads="1"/>
             <a:extLst>
               <a:ext uri="smNativeData">
-                <pr:smNativeData xmlns="smNativeData" xmlns:pr="smNativeData" xmlns:p15="http://schemas.microsoft.com/office/powerpoint/2012/main" xmlns:p14="http://schemas.microsoft.com/office/powerpoint/2010/main" xmlns:mc="http://schemas.openxmlformats.org/markup-compatibility/2006" val="SMDATA_16_xzE7ZxMAAAAlAAAAZAAAAA0AAAAAkAAAAEgAAACQAAAASAAAAAAAAAABAAAAAAAAAAEAAABQAAAAAAAAAAAA4D8AAAAAAADgPwAAAAAAAOA/AAAAAAAA4D8AAAAAAADgPwAAAAAAAOA/AAAAAAAA4D8AAAAAAADgPwAAAAAAAOA/AAAAAAAA4D8CAAAAjAAAAAAAAAAAAAAARHLEDP///wgAAAAAAAAAAAAAAAAAAAAAAAAAAAAAAAAAAAAAZAAAAAEAAABAAAAAAAAAAAAAAAAAAAAAAAAAAAAAAAAAAAAAAAAAAAAAAAAAAAAAAAAAAAAAAAAAAAAAAAAAAAAAAAAAAAAAAAAAAAAAAAAAAAAAAAAAAAAAAAAAAAAAFAAAADwAAAAAAAAAAAAAAAAAAAkUAAAAAQAAABQAAAAUAAAAFAAAAAEAAAAAAAAAZAAAAGQAAAAAAAAAZAAAAGQAAAAVAAAAYAAAAAAAAAAAAAAADwAAACADAAAAAAAAAAAAAAEAAACgMgAAVgcAAKr4//8BAAAAf39/AAEAAABkAAAAAAAAABQAAABAHwAAAAAAACYAAAAAAAAAwOD//wAAAAAmAAAAZAAAABYAAABMAAAAAAAAAAAAAAAEAAAAAAAAAAEAAADn5uYKAAAAACgAAAAoAAAAZAAAAGQAAAAAAAAAzMzMAAAAAABQAAAAUAAAAGQAAABkAAAAAAAAABcAAAAUAAAAAAAAAAAAAAD/fwAA/38AAAAAAAAJAAAABAAAAAAAAAAeAAAAaAAAAAAAAAAAAAAAAAAAAAAAAAAAAAAAECcAABAnAAAAAAAAAAAAAAAAAAAAAAAAAAAAAAAAAAAAAAAAAAAAABQAAAAAAAAAwMD/AAAAAABkAAAAMgAAAAAAAABkAAAAAAAAAH9/fwAKAAAAIgAAABgAAAAAAAAAAAAAAAAAAAAAAAAAAAAAAAAAAAAkAAAAJAAAAAAAAAAHAAAAAAAAAAAAAAAAAAAAAAAAAAAAAAAAAAAAf39/ACUAAABYAAAAAAAAAAAAAAAAAAAAAAAAAAAAAAAAAAAAAAAAAAAAAAAAAAAAAAAAAAAAAAA/AAAAAAAAAKCGAQAAAAAAAAAAAAAAAAAMAAAAAQAAAAAAAAAAAAAAAAAAAB8AAABUAAAARHLEBf///wEAAAAAAAAAAAAAAAAAAAAAAAAAAAAAAAAAAAAAAAAAAAAAAAJ/f38A5+bmA8zMzADAwP8Af39/AAAAAAAAAAAAAAAAAAAAAAAAAAAAIQAAABgAAAAUAAAAKAUAAD8CAADYRQAAZwoAABAAAAAmAAAACAAAAAAAAAAAAAAAMAAAABQAAAAAAAAAAAD//wAAAQAAAP//AAABAA=="/>
+                <pr:smNativeData xmlns:mc="http://schemas.openxmlformats.org/markup-compatibility/2006" xmlns:p14="http://schemas.microsoft.com/office/powerpoint/2010/main" xmlns:p15="http://schemas.microsoft.com/office/powerpoint/2012/main" xmlns:pr="smNativeData" xmlns="smNativeData" val="SMDATA_16_xzE7ZxMAAAAlAAAAZAAAAA0AAAAAkAAAAEgAAACQAAAASAAAAAAAAAABAAAAAAAAAAEAAABQAAAAAAAAAAAA4D8AAAAAAADgPwAAAAAAAOA/AAAAAAAA4D8AAAAAAADgPwAAAAAAAOA/AAAAAAAA4D8AAAAAAADgPwAAAAAAAOA/AAAAAAAA4D8CAAAAjAAAAAAAAAAAAAAARHLEDP///wgAAAAAAAAAAAAAAAAAAAAAAAAAAAAAAAAAAAAAZAAAAAEAAABAAAAAAAAAAAAAAAAAAAAAAAAAAAAAAAAAAAAAAAAAAAAAAAAAAAAAAAAAAAAAAAAAAAAAAAAAAAAAAAAAAAAAAAAAAAAAAAAAAAAAAAAAAAAAAAAAAAAAFAAAADwAAAAAAAAAAAAAAAAAAAkUAAAAAQAAABQAAAAUAAAAFAAAAAEAAAAAAAAAZAAAAGQAAAAAAAAAZAAAAGQAAAAVAAAAYAAAAAAAAAAAAAAADwAAACADAAAAAAAAAAAAAAEAAACgMgAAVgcAAKr4//8BAAAAf39/AAEAAABkAAAAAAAAABQAAABAHwAAAAAAACYAAAAAAAAAwOD//wAAAAAmAAAAZAAAABYAAABMAAAAAAAAAAAAAAAEAAAAAAAAAAEAAADn5uYKAAAAACgAAAAoAAAAZAAAAGQAAAAAAAAAzMzMAAAAAABQAAAAUAAAAGQAAABkAAAAAAAAABcAAAAUAAAAAAAAAAAAAAD/fwAA/38AAAAAAAAJAAAABAAAAAAAAAAeAAAAaAAAAAAAAAAAAAAAAAAAAAAAAAAAAAAAECcAABAnAAAAAAAAAAAAAAAAAAAAAAAAAAAAAAAAAAAAAAAAAAAAABQAAAAAAAAAwMD/AAAAAABkAAAAMgAAAAAAAABkAAAAAAAAAH9/fwAKAAAAIgAAABgAAAAAAAAAAAAAAAAAAAAAAAAAAAAAAAAAAAAkAAAAJAAAAAAAAAAHAAAAAAAAAAAAAAAAAAAAAAAAAAAAAAAAAAAAf39/ACUAAABYAAAAAAAAAAAAAAAAAAAAAAAAAAAAAAAAAAAAAAAAAAAAAAAAAAAAAAAAAAAAAAA/AAAAAAAAAKCGAQAAAAAAAAAAAAAAAAAMAAAAAQAAAAAAAAAAAAAAAAAAAB8AAABUAAAARHLEBf///wEAAAAAAAAAAAAAAAAAAAAAAAAAAAAAAAAAAAAAAAAAAAAAAAJ/f38A5+bmA8zMzADAwP8Af39/AAAAAAAAAAAAAAAAAAAAAAAAAAAAIQAAABgAAAAUAAAAKAUAAD8CAADYRQAAZwoAABAAAAAmAAAACAAAAAAAAAAAAAAAMAAAABQAAAAAAAAAAAD//wAAAQAAAP//AAABAA=="/>
               </a:ext>
             </a:extLst>
           </p:cNvSpPr>
@@ -5849,7 +5849,7 @@
             <a:spLocks noGrp="1" noChangeArrowheads="1"/>
             <a:extLst>
               <a:ext uri="smNativeData">
-                <pr:smNativeData xmlns="smNativeData" xmlns:pr="smNativeData" xmlns:p15="http://schemas.microsoft.com/office/powerpoint/2012/main" xmlns:p14="http://schemas.microsoft.com/office/powerpoint/2010/main" xmlns:mc="http://schemas.openxmlformats.org/markup-compatibility/2006" val="SMDATA_16_xzE7ZxMAAAAlAAAAZAAAAA0AAAAAkAAAAEgAAACQAAAASAAAAAAAAAAAAAAAAAAAAAEAAABQAAAAAAAAAAAA4D8AAAAAAADgPwAAAAAAAOA/AAAAAAAA4D8AAAAAAADgPwAAAAAAAOA/AAAAAAAA4D8AAAAAAADgPwAAAAAAAOA/AAAAAAAA4D8CAAAAjAAAAAAAAAAAAAAARHLEDP///wgAAAAAAAAAAAAAAAAAAAAAAAAAAAAAAAAAAAAAZAAAAAEAAABAAAAAAAAAAAAAAAAAAAAAAAAAAAAAAAAAAAAAAAAAAAAAAAAAAAAAAAAAAAAAAAAAAAAAAAAAAAAAAAAAAAAAAAAAAAAAAAAAAAAAAAAAAAAAAAAAAAAAFAAAADwAAAAAAAAAAAAAAAAAAAkUAAAAAQAAABQAAAAUAAAAFAAAAAEAAAAAAAAAZAAAAGQAAAAAAAAAZAAAAGQAAAAVAAAAYAAAAAAAAAAAAAAADwAAACADAAAAAAAAAAAAAAEAAACgMgAAVgcAAKr4//8BAAAAf39/AAEAAABkAAAAAAAAABQAAABAHwAAAAAAACYAAAAAAAAAwOD//wAAAAAmAAAAZAAAABYAAABMAAAAAAAAAAAAAAAEAAAAAAAAAAEAAADn5uYKAAAAACgAAAAoAAAAZAAAAGQAAAAAAAAAzMzMAAAAAABQAAAAUAAAAGQAAABkAAAAAAAAABcAAAAUAAAAAAAAAAAAAAD/fwAA/38AAAAAAAAJAAAABAAAAMoAwx4eAAAAaAAAAAAAAAAAAAAAAAAAAAAAAAAAAAAAECcAABAnAAAAAAAAAAAAAAAAAAAAAAAAAAAAAAAAAAAAAAAAAAAAABQAAAAAAAAAwMD/AAAAAABkAAAAMgAAAAAAAABkAAAAAAAAAH9/fwAKAAAAIgAAABgAAAAAAAAAAAAAAAAAAAAAAAAAAAAAAAAAAAAkAAAAJAAAAAAAAAAHAAAAAAAAAAAAAAAAAAAAAAAAAAAAAAAAAAAAf39/ACUAAABYAAAAAAAAAAAAAAAAAAAAAAAAAAAAAAAAAAAAAAAAAAAAAAAAAAAAAAAAAAAAAAA/AAAAAAAAAKCGAQAAAAAAAAAAAAAAAAAMAAAAAQAAAAAAAAAAAAAAAAAAAB8AAABUAAAARHLEBf///wEAAAAAAAAAAAAAAAAAAAAAAAAAAAAAAAAAAAAAAAAAAAAAAAJ/f38A5+bmA8zMzADAwP8Af39/AAAAAAAAAAAAAAAAAAAAAAAAAAAAIQAAABgAAAAUAAAAKAUAADsLAADYRQAAACYAABAAAAAmAAAACAAAAAAAAAAAAAAAMAAAABQAAAAAAAAAAAD//wAAAQAAAP//AAABAA=="/>
+                <pr:smNativeData xmlns:mc="http://schemas.openxmlformats.org/markup-compatibility/2006" xmlns:p14="http://schemas.microsoft.com/office/powerpoint/2010/main" xmlns:p15="http://schemas.microsoft.com/office/powerpoint/2012/main" xmlns:pr="smNativeData" xmlns="smNativeData" val="SMDATA_16_xzE7ZxMAAAAlAAAAZAAAAA0AAAAAkAAAAEgAAACQAAAASAAAAAAAAAAAAAAAAAAAAAEAAABQAAAAAAAAAAAA4D8AAAAAAADgPwAAAAAAAOA/AAAAAAAA4D8AAAAAAADgPwAAAAAAAOA/AAAAAAAA4D8AAAAAAADgPwAAAAAAAOA/AAAAAAAA4D8CAAAAjAAAAAAAAAAAAAAARHLEDP///wgAAAAAAAAAAAAAAAAAAAAAAAAAAAAAAAAAAAAAZAAAAAEAAABAAAAAAAAAAAAAAAAAAAAAAAAAAAAAAAAAAAAAAAAAAAAAAAAAAAAAAAAAAAAAAAAAAAAAAAAAAAAAAAAAAAAAAAAAAAAAAAAAAAAAAAAAAAAAAAAAAAAAFAAAADwAAAAAAAAAAAAAAAAAAAkUAAAAAQAAABQAAAAUAAAAFAAAAAEAAAAAAAAAZAAAAGQAAAAAAAAAZAAAAGQAAAAVAAAAYAAAAAAAAAAAAAAADwAAACADAAAAAAAAAAAAAAEAAACgMgAAVgcAAKr4//8BAAAAf39/AAEAAABkAAAAAAAAABQAAABAHwAAAAAAACYAAAAAAAAAwOD//wAAAAAmAAAAZAAAABYAAABMAAAAAAAAAAAAAAAEAAAAAAAAAAEAAADn5uYKAAAAACgAAAAoAAAAZAAAAGQAAAAAAAAAzMzMAAAAAABQAAAAUAAAAGQAAABkAAAAAAAAABcAAAAUAAAAAAAAAAAAAAD/fwAA/38AAAAAAAAJAAAABAAAAMoAwx4eAAAAaAAAAAAAAAAAAAAAAAAAAAAAAAAAAAAAECcAABAnAAAAAAAAAAAAAAAAAAAAAAAAAAAAAAAAAAAAAAAAAAAAABQAAAAAAAAAwMD/AAAAAABkAAAAMgAAAAAAAABkAAAAAAAAAH9/fwAKAAAAIgAAABgAAAAAAAAAAAAAAAAAAAAAAAAAAAAAAAAAAAAkAAAAJAAAAAAAAAAHAAAAAAAAAAAAAAAAAAAAAAAAAAAAAAAAAAAAf39/ACUAAABYAAAAAAAAAAAAAAAAAAAAAAAAAAAAAAAAAAAAAAAAAAAAAAAAAAAAAAAAAAAAAAA/AAAAAAAAAKCGAQAAAAAAAAAAAAAAAAAMAAAAAQAAAAAAAAAAAAAAAAAAAB8AAABUAAAARHLEBf///wEAAAAAAAAAAAAAAAAAAAAAAAAAAAAAAAAAAAAAAAAAAAAAAAJ/f38A5+bmA8zMzADAwP8Af39/AAAAAAAAAAAAAAAAAAAAAAAAAAAAIQAAABgAAAAUAAAAKAUAADsLAADYRQAAACYAABAAAAAmAAAACAAAAAAAAAAAAAAAMAAAABQAAAAAAAAAAAD//wAAAQAAAP//AAABAA=="/>
               </a:ext>
             </a:extLst>
           </p:cNvSpPr>
@@ -5876,7 +5876,7 @@
             <a:picLocks noChangeAspect="1"/>
             <a:extLst>
               <a:ext uri="smNativeData">
-                <pr:smNativeData xmlns="smNativeData" xmlns:pr="smNativeData" xmlns:p15="http://schemas.microsoft.com/office/powerpoint/2012/main" xmlns:p14="http://schemas.microsoft.com/office/powerpoint/2010/main" xmlns:mc="http://schemas.openxmlformats.org/markup-compatibility/2006" val="SMDATA_18_xzE7ZxMAAAAlAAAAEQAAAC0AAAAAkAAAAEgAAACQAAAASAAAAAAAAAAAAAAAAAAAAAEAAABQAAAAAAAAAAAA4D8AAAAAAADgPwAAAAAAAOA/AAAAAAAA4D8AAAAAAADgPwAAAAAAAOA/AAAAAAAA4D8AAAAAAADgPwAAAAAAAOA/AAAAAAAA4D8CAAAAjAAAAAAAAAAAAAAARHLEDP///wgAAAAAAAAAAAAAAAAAAAAAAAAAAAAAAAAAAAAAZAAAAAEAAABAAAAAAAAAAAAAAAAAAAAAAAAAAAAAAAAAAAAAAAAAAAAAAAAAAAAAAAAAAAAAAAAAAAAAAAAAAAAAAAAAAAAAAAAAAAAAAAAAAAAAAAAAAAAAAAAAAAAAFAAAADwAAAAAAAAAAAAAAAAAAAkUAAAAAQAAABQAAAAUAAAAFAAAAAEAAAAAAAAAZAAAAGQAAAAAAAAAZAAAAGQAAAAVAAAAYAAAAAAAAAAAAAAADwAAACADAAAAAAAAAAAAAAEAAACgMgAAVgcAAKr4//8BAAAAf39/AAEAAABkAAAAAAAAABQAAABAHwAAAAAAACYAAAAAAAAAwOD//wAAAAAmAAAAZAAAABYAAABMAAAAAAAAAAAAAAAEAAAAAAAAAAEAAADn5uYKAAAAACgAAAAoAAAAZAAAAGQAAAAAAAAAzMzMAAAAAABQAAAAUAAAAGQAAABkAAAAAAAAAAcAAAA4AAAAAAAAAAAAAAAAAAAA////AAAAAAAAAAAAAAAAAAAAAAAAAAAAAAAAAAAAAABkAAAAZAAAAAAAAAAjAAAABAAAAGQAAAAXAAAAFAAAAAAAAAAAAAAA/38AAP9/AAAAAAAACQAAAAQAAAD/////HgAAAGgAAAAAAAAAAAAAAAAAAAAAAAAAAAAAABAnAAAQJwAAAAAAAAAAAAAAAAAAAAAAAAAAAAAAAAAAAAAAAAAAAAAUAAAAAAAAAMDA/wAAAAAAZAAAADIAAAAAAAAAZAAAAAAAAAB/f38ACgAAACIAAAAYAAAAAAAAAAAAAAAAAAAAAAAAAAAAAAAAAAAAJAAAACQAAAAAAAAABwAAAAAAAAAAAAAAAAAAAAAAAAAAAAAAAAAAAH9/fwAlAAAAWAAAAAAAAAAAAAAAAAAAAAAAAAAAAAAAAAAAAAAAAAAAAAAAAAAAAAAAAAAAAAAAPwAAAAAAAACghgEAAAAAAAAAAAAAAAAADAAAAAEAAAAAAAAAAAAAAAAAAAAfAAAAVAAAAERyxAX///8BAAAAAAAAAAAAAAAAAAAAAAAAAAAAAAAAAAAAAAAAAAAAAAACf39/AOfm5gPMzMwAwMD/AH9/fwAAAAAAAAAAAAAAAAD///8AAAAAACEAAAAYAAAAFAAAAEEEAADAEQAAgCUAAPEnAAAQAAAAJgAAAAgAAAD//////////zAAAAAUAAAAAAAAAAAA//8AAAEAAAD//wAAAQA="/>
+                <pr:smNativeData xmlns:mc="http://schemas.openxmlformats.org/markup-compatibility/2006" xmlns:p14="http://schemas.microsoft.com/office/powerpoint/2010/main" xmlns:p15="http://schemas.microsoft.com/office/powerpoint/2012/main" xmlns:pr="smNativeData" xmlns="smNativeData" val="SMDATA_18_xzE7ZxMAAAAlAAAAEQAAAC0AAAAAkAAAAEgAAACQAAAASAAAAAAAAAAAAAAAAAAAAAEAAABQAAAAAAAAAAAA4D8AAAAAAADgPwAAAAAAAOA/AAAAAAAA4D8AAAAAAADgPwAAAAAAAOA/AAAAAAAA4D8AAAAAAADgPwAAAAAAAOA/AAAAAAAA4D8CAAAAjAAAAAAAAAAAAAAARHLEDP///wgAAAAAAAAAAAAAAAAAAAAAAAAAAAAAAAAAAAAAZAAAAAEAAABAAAAAAAAAAAAAAAAAAAAAAAAAAAAAAAAAAAAAAAAAAAAAAAAAAAAAAAAAAAAAAAAAAAAAAAAAAAAAAAAAAAAAAAAAAAAAAAAAAAAAAAAAAAAAAAAAAAAAFAAAADwAAAAAAAAAAAAAAAAAAAkUAAAAAQAAABQAAAAUAAAAFAAAAAEAAAAAAAAAZAAAAGQAAAAAAAAAZAAAAGQAAAAVAAAAYAAAAAAAAAAAAAAADwAAACADAAAAAAAAAAAAAAEAAACgMgAAVgcAAKr4//8BAAAAf39/AAEAAABkAAAAAAAAABQAAABAHwAAAAAAACYAAAAAAAAAwOD//wAAAAAmAAAAZAAAABYAAABMAAAAAAAAAAAAAAAEAAAAAAAAAAEAAADn5uYKAAAAACgAAAAoAAAAZAAAAGQAAAAAAAAAzMzMAAAAAABQAAAAUAAAAGQAAABkAAAAAAAAAAcAAAA4AAAAAAAAAAAAAAAAAAAA////AAAAAAAAAAAAAAAAAAAAAAAAAAAAAAAAAAAAAABkAAAAZAAAAAAAAAAjAAAABAAAAGQAAAAXAAAAFAAAAAAAAAAAAAAA/38AAP9/AAAAAAAACQAAAAQAAAD/////HgAAAGgAAAAAAAAAAAAAAAAAAAAAAAAAAAAAABAnAAAQJwAAAAAAAAAAAAAAAAAAAAAAAAAAAAAAAAAAAAAAAAAAAAAUAAAAAAAAAMDA/wAAAAAAZAAAADIAAAAAAAAAZAAAAAAAAAB/f38ACgAAACIAAAAYAAAAAAAAAAAAAAAAAAAAAAAAAAAAAAAAAAAAJAAAACQAAAAAAAAABwAAAAAAAAAAAAAAAAAAAAAAAAAAAAAAAAAAAH9/fwAlAAAAWAAAAAAAAAAAAAAAAAAAAAAAAAAAAAAAAAAAAAAAAAAAAAAAAAAAAAAAAAAAAAAAPwAAAAAAAACghgEAAAAAAAAAAAAAAAAADAAAAAEAAAAAAAAAAAAAAAAAAAAfAAAAVAAAAERyxAX///8BAAAAAAAAAAAAAAAAAAAAAAAAAAAAAAAAAAAAAAAAAAAAAAACf39/AOfm5gPMzMwAwMD/AH9/fwAAAAAAAAAAAAAAAAD///8AAAAAACEAAAAYAAAAFAAAAEEEAADAEQAAgCUAAPEnAAAQAAAAJgAAAAgAAAD//////////zAAAAAUAAAAAAAAAAAA//8AAAEAAAD//wAAAQA="/>
               </a:ext>
             </a:extLst>
           </p:cNvPicPr>
@@ -5910,7 +5910,7 @@
             <a:picLocks noChangeAspect="1"/>
             <a:extLst>
               <a:ext uri="smNativeData">
-                <pr:smNativeData xmlns="smNativeData" xmlns:pr="smNativeData" xmlns:p15="http://schemas.microsoft.com/office/powerpoint/2012/main" xmlns:p14="http://schemas.microsoft.com/office/powerpoint/2010/main" xmlns:mc="http://schemas.openxmlformats.org/markup-compatibility/2006" val="SMDATA_18_xzE7ZxMAAAAlAAAAEQAAAC0AAAAAkAAAAEgAAACQAAAASAAAAAAAAAAAAAAAAAAAAAEAAABQAAAAAAAAAAAA4D8AAAAAAADgPwAAAAAAAOA/AAAAAAAA4D8AAAAAAADgPwAAAAAAAOA/AAAAAAAA4D8AAAAAAADgPwAAAAAAAOA/AAAAAAAA4D8CAAAAjAAAAAAAAAAAAAAARHLEDP///wgAAAAAAAAAAAAAAAAAAAAAAAAAAAAAAAAAAAAAZAAAAAEAAABAAAAAAAAAAAAAAAAAAAAAAAAAAAAAAAAAAAAAAAAAAAAAAAAAAAAAAAAAAAAAAAAAAAAAAAAAAAAAAAAAAAAAAAAAAAAAAAAAAAAAAAAAAAAAAAAAAAAAFAAAADwAAAAAAAAAAAAAAAAAAAkUAAAAAQAAABQAAAAUAAAAFAAAAAEAAAAAAAAAZAAAAGQAAAAAAAAAZAAAAGQAAAAVAAAAYAAAAAAAAAAAAAAADwAAACADAAAAAAAAAAAAAAEAAACgMgAAVgcAAKr4//8BAAAAf39/AAEAAABkAAAAAAAAABQAAABAHwAAAAAAACYAAAAAAAAAwOD//wAAAAAmAAAAZAAAABYAAABMAAAAAAAAAAAAAAAEAAAAAAAAAAEAAADn5uYKAAAAACgAAAAoAAAAZAAAAGQAAAAAAAAAzMzMAAAAAABQAAAAUAAAAGQAAABkAAAAAAAAAAcAAAA4AAAAAAAAAAAAAAAAAAAA////AAAAAAAAAAAAAAAAAAAAAAAAAAAAAAAAAAAAAABkAAAAZAAAAAAAAAAjAAAABAAAAGQAAAAXAAAAFAAAAAAAAAAAAAAA/38AAP9/AAAAAAAACQAAAAQAAAD/////HgAAAGgAAAAAAAAAAAAAAAAAAAAAAAAAAAAAABAnAAAQJwAAAAAAAAAAAAAAAAAAAAAAAAAAAAAAAAAAAAAAAAAAAAAUAAAAAAAAAMDA/wAAAAAAZAAAADIAAAAAAAAAZAAAAAAAAAB/f38ACgAAACIAAAAYAAAAAAAAAAAAAAAAAAAAAAAAAAAAAAAAAAAAJAAAACQAAAAAAAAABwAAAAAAAAAAAAAAAAAAAAAAAAAAAAAAAAAAAH9/fwAlAAAAWAAAAAAAAAAAAAAAAAAAAAAAAAAAAAAAAAAAAAAAAAAAAAAAAAAAAAAAAAAAAAAAPwAAAAAAAACghgEAAAAAAAAAAAAAAAAADAAAAAEAAAAAAAAAAAAAAAAAAAAfAAAAVAAAAERyxAX///8BAAAAAAAAAAAAAAAAAAAAAAAAAAAAAAAAAAAAAAAAAAAAAAACf39/AOfm5gPMzMwAwMD/AH9/fwAAAAAAAAAAAAAAAAD///8AAAAAACEAAAAYAAAAFAAAAAImAADsEAAAJUgAAPEnAAAQAAAAJgAAAAgAAAD//////////zAAAAAUAAAAAAAAAAAA//8AAAEAAAD//wAAAQA="/>
+                <pr:smNativeData xmlns:mc="http://schemas.openxmlformats.org/markup-compatibility/2006" xmlns:p14="http://schemas.microsoft.com/office/powerpoint/2010/main" xmlns:p15="http://schemas.microsoft.com/office/powerpoint/2012/main" xmlns:pr="smNativeData" xmlns="smNativeData" val="SMDATA_18_xzE7ZxMAAAAlAAAAEQAAAC0AAAAAkAAAAEgAAACQAAAASAAAAAAAAAAAAAAAAAAAAAEAAABQAAAAAAAAAAAA4D8AAAAAAADgPwAAAAAAAOA/AAAAAAAA4D8AAAAAAADgPwAAAAAAAOA/AAAAAAAA4D8AAAAAAADgPwAAAAAAAOA/AAAAAAAA4D8CAAAAjAAAAAAAAAAAAAAARHLEDP///wgAAAAAAAAAAAAAAAAAAAAAAAAAAAAAAAAAAAAAZAAAAAEAAABAAAAAAAAAAAAAAAAAAAAAAAAAAAAAAAAAAAAAAAAAAAAAAAAAAAAAAAAAAAAAAAAAAAAAAAAAAAAAAAAAAAAAAAAAAAAAAAAAAAAAAAAAAAAAAAAAAAAAFAAAADwAAAAAAAAAAAAAAAAAAAkUAAAAAQAAABQAAAAUAAAAFAAAAAEAAAAAAAAAZAAAAGQAAAAAAAAAZAAAAGQAAAAVAAAAYAAAAAAAAAAAAAAADwAAACADAAAAAAAAAAAAAAEAAACgMgAAVgcAAKr4//8BAAAAf39/AAEAAABkAAAAAAAAABQAAABAHwAAAAAAACYAAAAAAAAAwOD//wAAAAAmAAAAZAAAABYAAABMAAAAAAAAAAAAAAAEAAAAAAAAAAEAAADn5uYKAAAAACgAAAAoAAAAZAAAAGQAAAAAAAAAzMzMAAAAAABQAAAAUAAAAGQAAABkAAAAAAAAAAcAAAA4AAAAAAAAAAAAAAAAAAAA////AAAAAAAAAAAAAAAAAAAAAAAAAAAAAAAAAAAAAABkAAAAZAAAAAAAAAAjAAAABAAAAGQAAAAXAAAAFAAAAAAAAAAAAAAA/38AAP9/AAAAAAAACQAAAAQAAAD/////HgAAAGgAAAAAAAAAAAAAAAAAAAAAAAAAAAAAABAnAAAQJwAAAAAAAAAAAAAAAAAAAAAAAAAAAAAAAAAAAAAAAAAAAAAUAAAAAAAAAMDA/wAAAAAAZAAAADIAAAAAAAAAZAAAAAAAAAB/f38ACgAAACIAAAAYAAAAAAAAAAAAAAAAAAAAAAAAAAAAAAAAAAAAJAAAACQAAAAAAAAABwAAAAAAAAAAAAAAAAAAAAAAAAAAAAAAAAAAAH9/fwAlAAAAWAAAAAAAAAAAAAAAAAAAAAAAAAAAAAAAAAAAAAAAAAAAAAAAAAAAAAAAAAAAAAAAPwAAAAAAAACghgEAAAAAAAAAAAAAAAAADAAAAAEAAAAAAAAAAAAAAAAAAAAfAAAAVAAAAERyxAX///8BAAAAAAAAAAAAAAAAAAAAAAAAAAAAAAAAAAAAAAAAAAAAAAACf39/AOfm5gPMzMwAwMD/AH9/fwAAAAAAAAAAAAAAAAD///8AAAAAACEAAAAYAAAAFAAAAAImAADsEAAAJUgAAPEnAAAQAAAAJgAAAAgAAAD//////////zAAAAAUAAAAAAAAAAAA//8AAAEAAAD//wAAAQA="/>
               </a:ext>
             </a:extLst>
           </p:cNvPicPr>
@@ -5976,7 +5976,7 @@
             <a:spLocks noGrp="1" noChangeArrowheads="1"/>
             <a:extLst>
               <a:ext uri="smNativeData">
-                <pr:smNativeData xmlns="smNativeData" xmlns:pr="smNativeData" xmlns:p15="http://schemas.microsoft.com/office/powerpoint/2012/main" xmlns:p14="http://schemas.microsoft.com/office/powerpoint/2010/main" xmlns:mc="http://schemas.openxmlformats.org/markup-compatibility/2006" val="SMDATA_16_xzE7ZxMAAAAlAAAAZAAAAA0AAAAAkAAAAEgAAACQAAAASAAAAAAAAAABAAAAAAAAAAEAAABQAAAAAAAAAAAA4D8AAAAAAADgPwAAAAAAAOA/AAAAAAAA4D8AAAAAAADgPwAAAAAAAOA/AAAAAAAA4D8AAAAAAADgPwAAAAAAAOA/AAAAAAAA4D8CAAAAjAAAAAAAAAAAAAAARHLEDP///wgAAAAAAAAAAAAAAAAAAAAAAAAAAAAAAAAAAAAAZAAAAAEAAABAAAAAAAAAAAAAAAAAAAAAAAAAAAAAAAAAAAAAAAAAAAAAAAAAAAAAAAAAAAAAAAAAAAAAAAAAAAAAAAAAAAAAAAAAAAAAAAAAAAAAAAAAAAAAAAAAAAAAFAAAADwAAAAAAAAAAAAAAAAAAAkUAAAAAQAAABQAAAAUAAAAFAAAAAEAAAAAAAAAZAAAAGQAAAAAAAAAZAAAAGQAAAAVAAAAYAAAAAAAAAAAAAAADwAAACADAAAAAAAAAAAAAAEAAACgMgAAVgcAAKr4//8BAAAAf39/AAEAAABkAAAAAAAAABQAAABAHwAAAAAAACYAAAAAAAAAwOD//wAAAAAmAAAAZAAAABYAAABMAAAAAAAAAAAAAAAEAAAAAAAAAAEAAADn5uYKAAAAACgAAAAoAAAAZAAAAGQAAAAAAAAAzMzMAAAAAABQAAAAUAAAAGQAAABkAAAAAAAAABcAAAAUAAAAAAAAAAAAAAD/fwAA/38AAAAAAAAJAAAABAAAAAAAAAAeAAAAaAAAAAAAAAAAAAAAAAAAAAAAAAAAAAAAECcAABAnAAAAAAAAAAAAAAAAAAAAAAAAAAAAAAAAAAAAAAAAAAAAABQAAAAAAAAAwMD/AAAAAABkAAAAMgAAAAAAAABkAAAAAAAAAH9/fwAKAAAAIgAAABgAAAAAAAAAAAAAAAAAAAAAAAAAAAAAAAAAAAAkAAAAJAAAAAAAAAAHAAAAAAAAAAAAAAAAAAAAAAAAAAAAAAAAAAAAf39/ACUAAABYAAAAAAAAAAAAAAAAAAAAAAAAAAAAAAAAAAAAAAAAAAAAAAAAAAAAAAAAAAAAAAA/AAAAAAAAAKCGAQAAAAAAAAAAAAAAAAAMAAAAAQAAAAAAAAAAAAAAAAAAAB8AAABUAAAARHLEBf///wEAAAAAAAAAAAAAAAAAAAAAAAAAAAAAAAAAAAAAAAAAAAAAAAJ/f38A5+bmA8zMzADAwP8Af39/AAAAAAAAAAAAAAAAAAAAAAAAAAAAIQAAABgAAAAUAAAAKAUAAD8CAADYRQAAZwoAABAAAAAmAAAACAAAAAAAAAAAAAAAMAAAABQAAAAAAAAAAAD//wAAAQAAAP//AAABAA=="/>
+                <pr:smNativeData xmlns:mc="http://schemas.openxmlformats.org/markup-compatibility/2006" xmlns:p14="http://schemas.microsoft.com/office/powerpoint/2010/main" xmlns:p15="http://schemas.microsoft.com/office/powerpoint/2012/main" xmlns:pr="smNativeData" xmlns="smNativeData" val="SMDATA_16_xzE7ZxMAAAAlAAAAZAAAAA0AAAAAkAAAAEgAAACQAAAASAAAAAAAAAABAAAAAAAAAAEAAABQAAAAAAAAAAAA4D8AAAAAAADgPwAAAAAAAOA/AAAAAAAA4D8AAAAAAADgPwAAAAAAAOA/AAAAAAAA4D8AAAAAAADgPwAAAAAAAOA/AAAAAAAA4D8CAAAAjAAAAAAAAAAAAAAARHLEDP///wgAAAAAAAAAAAAAAAAAAAAAAAAAAAAAAAAAAAAAZAAAAAEAAABAAAAAAAAAAAAAAAAAAAAAAAAAAAAAAAAAAAAAAAAAAAAAAAAAAAAAAAAAAAAAAAAAAAAAAAAAAAAAAAAAAAAAAAAAAAAAAAAAAAAAAAAAAAAAAAAAAAAAFAAAADwAAAAAAAAAAAAAAAAAAAkUAAAAAQAAABQAAAAUAAAAFAAAAAEAAAAAAAAAZAAAAGQAAAAAAAAAZAAAAGQAAAAVAAAAYAAAAAAAAAAAAAAADwAAACADAAAAAAAAAAAAAAEAAACgMgAAVgcAAKr4//8BAAAAf39/AAEAAABkAAAAAAAAABQAAABAHwAAAAAAACYAAAAAAAAAwOD//wAAAAAmAAAAZAAAABYAAABMAAAAAAAAAAAAAAAEAAAAAAAAAAEAAADn5uYKAAAAACgAAAAoAAAAZAAAAGQAAAAAAAAAzMzMAAAAAABQAAAAUAAAAGQAAABkAAAAAAAAABcAAAAUAAAAAAAAAAAAAAD/fwAA/38AAAAAAAAJAAAABAAAAAAAAAAeAAAAaAAAAAAAAAAAAAAAAAAAAAAAAAAAAAAAECcAABAnAAAAAAAAAAAAAAAAAAAAAAAAAAAAAAAAAAAAAAAAAAAAABQAAAAAAAAAwMD/AAAAAABkAAAAMgAAAAAAAABkAAAAAAAAAH9/fwAKAAAAIgAAABgAAAAAAAAAAAAAAAAAAAAAAAAAAAAAAAAAAAAkAAAAJAAAAAAAAAAHAAAAAAAAAAAAAAAAAAAAAAAAAAAAAAAAAAAAf39/ACUAAABYAAAAAAAAAAAAAAAAAAAAAAAAAAAAAAAAAAAAAAAAAAAAAAAAAAAAAAAAAAAAAAA/AAAAAAAAAKCGAQAAAAAAAAAAAAAAAAAMAAAAAQAAAAAAAAAAAAAAAAAAAB8AAABUAAAARHLEBf///wEAAAAAAAAAAAAAAAAAAAAAAAAAAAAAAAAAAAAAAAAAAAAAAAJ/f38A5+bmA8zMzADAwP8Af39/AAAAAAAAAAAAAAAAAAAAAAAAAAAAIQAAABgAAAAUAAAAKAUAAD8CAADYRQAAZwoAABAAAAAmAAAACAAAAAAAAAAAAAAAMAAAABQAAAAAAAAAAAD//wAAAQAAAP//AAABAA=="/>
               </a:ext>
             </a:extLst>
           </p:cNvSpPr>
@@ -6003,7 +6003,7 @@
             <a:spLocks noGrp="1" noChangeArrowheads="1"/>
             <a:extLst>
               <a:ext uri="smNativeData">
-                <pr:smNativeData xmlns="smNativeData" xmlns:pr="smNativeData" xmlns:p15="http://schemas.microsoft.com/office/powerpoint/2012/main" xmlns:p14="http://schemas.microsoft.com/office/powerpoint/2010/main" xmlns:mc="http://schemas.openxmlformats.org/markup-compatibility/2006" val="SMDATA_16_xzE7ZxMAAAAlAAAAZAAAAA0AAAAAkAAAAEgAAACQAAAASAAAAAAAAAAAAAAAAAAAAAEAAABQAAAAAAAAAAAA4D8AAAAAAADgPwAAAAAAAOA/AAAAAAAA4D8AAAAAAADgPwAAAAAAAOA/AAAAAAAA4D8AAAAAAADgPwAAAAAAAOA/AAAAAAAA4D8CAAAAjAAAAAAAAAAAAAAARHLEDP///wgAAAAAAAAAAAAAAAAAAAAAAAAAAAAAAAAAAAAAZAAAAAEAAABAAAAAAAAAAAAAAAAAAAAAAAAAAAAAAAAAAAAAAAAAAAAAAAAAAAAAAAAAAAAAAAAAAAAAAAAAAAAAAAAAAAAAAAAAAAAAAAAAAAAAAAAAAAAAAAAAAAAAFAAAADwAAAAAAAAAAAAAAAAAAAkUAAAAAQAAABQAAAAUAAAAFAAAAAEAAAAAAAAAZAAAAGQAAAAAAAAAZAAAAGQAAAAVAAAAYAAAAAAAAAAAAAAADwAAACADAAAAAAAAAAAAAAEAAACgMgAAVgcAAKr4//8BAAAAf39/AAEAAABkAAAAAAAAABQAAABAHwAAAAAAACYAAAAAAAAAwOD//wAAAAAmAAAAZAAAABYAAABMAAAAAAAAAAAAAAAEAAAAAAAAAAEAAADn5uYKAAAAACgAAAAoAAAAZAAAAGQAAAAAAAAAzMzMAAAAAABQAAAAUAAAAGQAAABkAAAAAAAAABcAAAAUAAAAAAAAAAAAAAD/fwAA/38AAAAAAAAJAAAABAAAAAAAAAAeAAAAaAAAAAAAAAAAAAAAAAAAAAAAAAAAAAAAECcAABAnAAAAAAAAAAAAAAAAAAAAAAAAAAAAAAAAAAAAAAAAAAAAABQAAAAAAAAAwMD/AAAAAABkAAAAMgAAAAAAAABkAAAAAAAAAH9/fwAKAAAAIgAAABgAAAAAAAAAAAAAAAAAAAAAAAAAAAAAAAAAAAAkAAAAJAAAAAAAAAAHAAAAAAAAAAAAAAAAAAAAAAAAAAAAAAAAAAAAf39/ACUAAABYAAAAAAAAAAAAAAAAAAAAAAAAAAAAAAAAAAAAAAAAAAAAAAAAAAAAAAAAAAAAAAA/AAAAAAAAAKCGAQAAAAAAAAAAAAAAAAAMAAAAAQAAAAAAAAAAAAAAAAAAAB8AAABUAAAARHLEBf///wEAAAAAAAAAAAAAAAAAAAAAAAAAAAAAAAAAAAAAAAAAAAAAAAJ/f38A5+bmA8zMzADAwP8Af39/AAAAAAAAAAAAAAAAAAAAAAAAAAAAIQAAABgAAAAUAAAAKAUAADsLAADYRQAAACYAABAAAAAmAAAACAAAAAAAAAAAAAAAMAAAABQAAAAAAAAAAAD//wAAAQAAAP//AAABAA=="/>
+                <pr:smNativeData xmlns:mc="http://schemas.openxmlformats.org/markup-compatibility/2006" xmlns:p14="http://schemas.microsoft.com/office/powerpoint/2010/main" xmlns:p15="http://schemas.microsoft.com/office/powerpoint/2012/main" xmlns:pr="smNativeData" xmlns="smNativeData" val="SMDATA_16_xzE7ZxMAAAAlAAAAZAAAAA0AAAAAkAAAAEgAAACQAAAASAAAAAAAAAAAAAAAAAAAAAEAAABQAAAAAAAAAAAA4D8AAAAAAADgPwAAAAAAAOA/AAAAAAAA4D8AAAAAAADgPwAAAAAAAOA/AAAAAAAA4D8AAAAAAADgPwAAAAAAAOA/AAAAAAAA4D8CAAAAjAAAAAAAAAAAAAAARHLEDP///wgAAAAAAAAAAAAAAAAAAAAAAAAAAAAAAAAAAAAAZAAAAAEAAABAAAAAAAAAAAAAAAAAAAAAAAAAAAAAAAAAAAAAAAAAAAAAAAAAAAAAAAAAAAAAAAAAAAAAAAAAAAAAAAAAAAAAAAAAAAAAAAAAAAAAAAAAAAAAAAAAAAAAFAAAADwAAAAAAAAAAAAAAAAAAAkUAAAAAQAAABQAAAAUAAAAFAAAAAEAAAAAAAAAZAAAAGQAAAAAAAAAZAAAAGQAAAAVAAAAYAAAAAAAAAAAAAAADwAAACADAAAAAAAAAAAAAAEAAACgMgAAVgcAAKr4//8BAAAAf39/AAEAAABkAAAAAAAAABQAAABAHwAAAAAAACYAAAAAAAAAwOD//wAAAAAmAAAAZAAAABYAAABMAAAAAAAAAAAAAAAEAAAAAAAAAAEAAADn5uYKAAAAACgAAAAoAAAAZAAAAGQAAAAAAAAAzMzMAAAAAABQAAAAUAAAAGQAAABkAAAAAAAAABcAAAAUAAAAAAAAAAAAAAD/fwAA/38AAAAAAAAJAAAABAAAAAAAAAAeAAAAaAAAAAAAAAAAAAAAAAAAAAAAAAAAAAAAECcAABAnAAAAAAAAAAAAAAAAAAAAAAAAAAAAAAAAAAAAAAAAAAAAABQAAAAAAAAAwMD/AAAAAABkAAAAMgAAAAAAAABkAAAAAAAAAH9/fwAKAAAAIgAAABgAAAAAAAAAAAAAAAAAAAAAAAAAAAAAAAAAAAAkAAAAJAAAAAAAAAAHAAAAAAAAAAAAAAAAAAAAAAAAAAAAAAAAAAAAf39/ACUAAABYAAAAAAAAAAAAAAAAAAAAAAAAAAAAAAAAAAAAAAAAAAAAAAAAAAAAAAAAAAAAAAA/AAAAAAAAAKCGAQAAAAAAAAAAAAAAAAAMAAAAAQAAAAAAAAAAAAAAAAAAAB8AAABUAAAARHLEBf///wEAAAAAAAAAAAAAAAAAAAAAAAAAAAAAAAAAAAAAAAAAAAAAAAJ/f38A5+bmA8zMzADAwP8Af39/AAAAAAAAAAAAAAAAAAAAAAAAAAAAIQAAABgAAAAUAAAAKAUAADsLAADYRQAAACYAABAAAAAmAAAACAAAAAAAAAAAAAAAMAAAABQAAAAAAAAAAAD//wAAAQAAAP//AAABAA=="/>
               </a:ext>
             </a:extLst>
           </p:cNvSpPr>
@@ -6110,7 +6110,7 @@
             <a:spLocks noGrp="1" noChangeArrowheads="1"/>
             <a:extLst>
               <a:ext uri="smNativeData">
-                <pr:smNativeData xmlns="smNativeData" xmlns:pr="smNativeData" xmlns:p15="http://schemas.microsoft.com/office/powerpoint/2012/main" xmlns:p14="http://schemas.microsoft.com/office/powerpoint/2010/main" xmlns:mc="http://schemas.openxmlformats.org/markup-compatibility/2006" val="SMDATA_16_xzE7ZxMAAAAlAAAAZAAAAA0AAAAAkAAAAEgAAACQAAAASAAAAAAAAAABAAAAAAAAAAEAAABQAAAAAAAAAAAA4D8AAAAAAADgPwAAAAAAAOA/AAAAAAAA4D8AAAAAAADgPwAAAAAAAOA/AAAAAAAA4D8AAAAAAADgPwAAAAAAAOA/AAAAAAAA4D8CAAAAjAAAAAAAAAAAAAAARHLEDP///wgAAAAAAAAAAAAAAAAAAAAAAAAAAAAAAAAAAAAAZAAAAAEAAABAAAAAAAAAAAAAAAAAAAAAAAAAAAAAAAAAAAAAAAAAAAAAAAAAAAAAAAAAAAAAAAAAAAAAAAAAAAAAAAAAAAAAAAAAAAAAAAAAAAAAAAAAAAAAAAAAAAAAFAAAADwAAAAAAAAAAAAAAAAAAAkUAAAAAQAAABQAAAAUAAAAFAAAAAEAAAAAAAAAZAAAAGQAAAAAAAAAZAAAAGQAAAAVAAAAYAAAAAAAAAAAAAAADwAAACADAAAAAAAAAAAAAAEAAACgMgAAVgcAAKr4//8BAAAAf39/AAEAAABkAAAAAAAAABQAAABAHwAAAAAAACYAAAAAAAAAwOD//wAAAAAmAAAAZAAAABYAAABMAAAAAAAAAAAAAAAEAAAAAAAAAAEAAADn5uYKAAAAACgAAAAoAAAAZAAAAGQAAAAAAAAAzMzMAAAAAABQAAAAUAAAAGQAAABkAAAAAAAAABcAAAAUAAAAAAAAAAAAAAD/fwAA/38AAAAAAAAJAAAABAAAAPCmZ7seAAAAaAAAAAAAAAAAAAAAAAAAAAAAAAAAAAAAECcAABAnAAAAAAAAAAAAAAAAAAAAAAAAAAAAAAAAAAAAAAAAAAAAABQAAAAAAAAAwMD/AAAAAABkAAAAMgAAAAAAAABkAAAAAAAAAH9/fwAKAAAAIgAAABgAAAAAAAAAAAAAAAAAAAAAAAAAAAAAAAAAAAAkAAAAJAAAAAAAAAAHAAAAAAAAAAAAAAAAAAAAAAAAAAAAAAAAAAAAf39/ACUAAABYAAAAAAAAAAAAAAAAAAAAAAAAAAAAAAAAAAAAAAAAAAAAAAAAAAAAAAAAAAAAAAA/AAAAAAAAAKCGAQAAAAAAAAAAAAAAAAAMAAAAAQAAAAAAAAAAAAAAAAAAAB8AAABUAAAARHLEBf///wEAAAAAAAAAAAAAAAAAAAAAAAAAAAAAAAAAAAAAAAAAAAAAAAJ/f38A5+bmA8zMzADAwP8Af39/AAAAAAAAAAAAAAAAAAAAAAAAAAAAIQAAABgAAAAUAAAAKAUAAD8CAADYRQAAZwoAABAAAAAmAAAACAAAAAAAAAAAAAAAMAAAABQAAAAAAAAAAAD//wAAAQAAAP//AAABAA=="/>
+                <pr:smNativeData xmlns:mc="http://schemas.openxmlformats.org/markup-compatibility/2006" xmlns:p14="http://schemas.microsoft.com/office/powerpoint/2010/main" xmlns:p15="http://schemas.microsoft.com/office/powerpoint/2012/main" xmlns:pr="smNativeData" xmlns="smNativeData" val="SMDATA_16_xzE7ZxMAAAAlAAAAZAAAAA0AAAAAkAAAAEgAAACQAAAASAAAAAAAAAABAAAAAAAAAAEAAABQAAAAAAAAAAAA4D8AAAAAAADgPwAAAAAAAOA/AAAAAAAA4D8AAAAAAADgPwAAAAAAAOA/AAAAAAAA4D8AAAAAAADgPwAAAAAAAOA/AAAAAAAA4D8CAAAAjAAAAAAAAAAAAAAARHLEDP///wgAAAAAAAAAAAAAAAAAAAAAAAAAAAAAAAAAAAAAZAAAAAEAAABAAAAAAAAAAAAAAAAAAAAAAAAAAAAAAAAAAAAAAAAAAAAAAAAAAAAAAAAAAAAAAAAAAAAAAAAAAAAAAAAAAAAAAAAAAAAAAAAAAAAAAAAAAAAAAAAAAAAAFAAAADwAAAAAAAAAAAAAAAAAAAkUAAAAAQAAABQAAAAUAAAAFAAAAAEAAAAAAAAAZAAAAGQAAAAAAAAAZAAAAGQAAAAVAAAAYAAAAAAAAAAAAAAADwAAACADAAAAAAAAAAAAAAEAAACgMgAAVgcAAKr4//8BAAAAf39/AAEAAABkAAAAAAAAABQAAABAHwAAAAAAACYAAAAAAAAAwOD//wAAAAAmAAAAZAAAABYAAABMAAAAAAAAAAAAAAAEAAAAAAAAAAEAAADn5uYKAAAAACgAAAAoAAAAZAAAAGQAAAAAAAAAzMzMAAAAAABQAAAAUAAAAGQAAABkAAAAAAAAABcAAAAUAAAAAAAAAAAAAAD/fwAA/38AAAAAAAAJAAAABAAAAPCmZ7seAAAAaAAAAAAAAAAAAAAAAAAAAAAAAAAAAAAAECcAABAnAAAAAAAAAAAAAAAAAAAAAAAAAAAAAAAAAAAAAAAAAAAAABQAAAAAAAAAwMD/AAAAAABkAAAAMgAAAAAAAABkAAAAAAAAAH9/fwAKAAAAIgAAABgAAAAAAAAAAAAAAAAAAAAAAAAAAAAAAAAAAAAkAAAAJAAAAAAAAAAHAAAAAAAAAAAAAAAAAAAAAAAAAAAAAAAAAAAAf39/ACUAAABYAAAAAAAAAAAAAAAAAAAAAAAAAAAAAAAAAAAAAAAAAAAAAAAAAAAAAAAAAAAAAAA/AAAAAAAAAKCGAQAAAAAAAAAAAAAAAAAMAAAAAQAAAAAAAAAAAAAAAAAAAB8AAABUAAAARHLEBf///wEAAAAAAAAAAAAAAAAAAAAAAAAAAAAAAAAAAAAAAAAAAAAAAAJ/f38A5+bmA8zMzADAwP8Af39/AAAAAAAAAAAAAAAAAAAAAAAAAAAAIQAAABgAAAAUAAAAKAUAAD8CAADYRQAAZwoAABAAAAAmAAAACAAAAAAAAAAAAAAAMAAAABQAAAAAAAAAAAD//wAAAQAAAP//AAABAA=="/>
               </a:ext>
             </a:extLst>
           </p:cNvSpPr>
@@ -6137,7 +6137,7 @@
             <a:spLocks noGrp="1" noChangeArrowheads="1"/>
             <a:extLst>
               <a:ext uri="smNativeData">
-                <pr:smNativeData xmlns="smNativeData" xmlns:pr="smNativeData" xmlns:p15="http://schemas.microsoft.com/office/powerpoint/2012/main" xmlns:p14="http://schemas.microsoft.com/office/powerpoint/2010/main" xmlns:mc="http://schemas.openxmlformats.org/markup-compatibility/2006" val="SMDATA_16_xzE7ZxMAAAAlAAAAZAAAAA0AAAAAkAAAAEgAAACQAAAASAAAAAAAAAAAAAAAAAAAAAEAAABQAAAAAAAAAAAA4D8AAAAAAADgPwAAAAAAAOA/AAAAAAAA4D8AAAAAAADgPwAAAAAAAOA/AAAAAAAA4D8AAAAAAADgPwAAAAAAAOA/AAAAAAAA4D8CAAAAjAAAAAAAAAAAAAAARHLEDP///wgAAAAAAAAAAAAAAAAAAAAAAAAAAAAAAAAAAAAAZAAAAAEAAABAAAAAAAAAAAAAAAAAAAAAAAAAAAAAAAAAAAAAAAAAAAAAAAAAAAAAAAAAAAAAAAAAAAAAAAAAAAAAAAAAAAAAAAAAAAAAAAAAAAAAAAAAAAAAAAAAAAAAFAAAADwAAAAAAAAAAAAAAAAAAAkUAAAAAQAAABQAAAAUAAAAFAAAAAEAAAAAAAAAZAAAAGQAAAAAAAAAZAAAAGQAAAAVAAAAYAAAAAAAAAAAAAAADwAAACADAAAAAAAAAAAAAAEAAACgMgAAVgcAAKr4//8BAAAAf39/AAEAAABkAAAAAAAAABQAAABAHwAAAAAAACYAAAAAAAAAwOD//wAAAAAmAAAAZAAAABYAAABMAAAAAAAAAAAAAAAEAAAAAAAAAAEAAADn5uYKAAAAACgAAAAoAAAAZAAAAGQAAAAAAAAAzMzMAAAAAABQAAAAUAAAAGQAAABkAAAAAAAAABcAAAAUAAAAAAAAAAAAAAD/fwAA/38AAAAAAAAJAAAABAAAABAFBAAeAAAAaAAAAAAAAAAAAAAAAAAAAAAAAAAAAAAAECcAABAnAAAAAAAAAAAAAAAAAAAAAAAAAAAAAAAAAAAAAAAAAAAAABQAAAAAAAAAwMD/AAAAAABkAAAAMgAAAAAAAABkAAAAAAAAAH9/fwAKAAAAIgAAABgAAAAAAAAAAAAAAAAAAAAAAAAAAAAAAAAAAAAkAAAAJAAAAAAAAAAHAAAAAAAAAAAAAAAAAAAAAAAAAAAAAAAAAAAAf39/ACUAAABYAAAAAAAAAAAAAAAAAAAAAAAAAAAAAAAAAAAAAAAAAAAAAAAAAAAAAAAAAAAAAAA/AAAAAAAAAKCGAQAAAAAAAAAAAAAAAAAMAAAAAQAAAAAAAAAAAAAAAAAAAB8AAABUAAAARHLEBf///wEAAAAAAAAAAAAAAAAAAAAAAAAAAAAAAAAAAAAAAAAAAAAAAAJ/f38A5+bmA8zMzADAwP8Af39/AAAAAAAAAAAAAAAAAAAAAAAAAAAAIQAAABgAAAAUAAAAKAUAADsLAADYRQAAACYAABAAAAAmAAAACAAAAAAAAAAAAAAAMAAAABQAAAAAAAAAAAD//wAAAQAAAP//AAABAA=="/>
+                <pr:smNativeData xmlns:mc="http://schemas.openxmlformats.org/markup-compatibility/2006" xmlns:p14="http://schemas.microsoft.com/office/powerpoint/2010/main" xmlns:p15="http://schemas.microsoft.com/office/powerpoint/2012/main" xmlns:pr="smNativeData" xmlns="smNativeData" val="SMDATA_16_xzE7ZxMAAAAlAAAAZAAAAA0AAAAAkAAAAEgAAACQAAAASAAAAAAAAAAAAAAAAAAAAAEAAABQAAAAAAAAAAAA4D8AAAAAAADgPwAAAAAAAOA/AAAAAAAA4D8AAAAAAADgPwAAAAAAAOA/AAAAAAAA4D8AAAAAAADgPwAAAAAAAOA/AAAAAAAA4D8CAAAAjAAAAAAAAAAAAAAARHLEDP///wgAAAAAAAAAAAAAAAAAAAAAAAAAAAAAAAAAAAAAZAAAAAEAAABAAAAAAAAAAAAAAAAAAAAAAAAAAAAAAAAAAAAAAAAAAAAAAAAAAAAAAAAAAAAAAAAAAAAAAAAAAAAAAAAAAAAAAAAAAAAAAAAAAAAAAAAAAAAAAAAAAAAAFAAAADwAAAAAAAAAAAAAAAAAAAkUAAAAAQAAABQAAAAUAAAAFAAAAAEAAAAAAAAAZAAAAGQAAAAAAAAAZAAAAGQAAAAVAAAAYAAAAAAAAAAAAAAADwAAACADAAAAAAAAAAAAAAEAAACgMgAAVgcAAKr4//8BAAAAf39/AAEAAABkAAAAAAAAABQAAABAHwAAAAAAACYAAAAAAAAAwOD//wAAAAAmAAAAZAAAABYAAABMAAAAAAAAAAAAAAAEAAAAAAAAAAEAAADn5uYKAAAAACgAAAAoAAAAZAAAAGQAAAAAAAAAzMzMAAAAAABQAAAAUAAAAGQAAABkAAAAAAAAABcAAAAUAAAAAAAAAAAAAAD/fwAA/38AAAAAAAAJAAAABAAAABAFBAAeAAAAaAAAAAAAAAAAAAAAAAAAAAAAAAAAAAAAECcAABAnAAAAAAAAAAAAAAAAAAAAAAAAAAAAAAAAAAAAAAAAAAAAABQAAAAAAAAAwMD/AAAAAABkAAAAMgAAAAAAAABkAAAAAAAAAH9/fwAKAAAAIgAAABgAAAAAAAAAAAAAAAAAAAAAAAAAAAAAAAAAAAAkAAAAJAAAAAAAAAAHAAAAAAAAAAAAAAAAAAAAAAAAAAAAAAAAAAAAf39/ACUAAABYAAAAAAAAAAAAAAAAAAAAAAAAAAAAAAAAAAAAAAAAAAAAAAAAAAAAAAAAAAAAAAA/AAAAAAAAAKCGAQAAAAAAAAAAAAAAAAAMAAAAAQAAAAAAAAAAAAAAAAAAAB8AAABUAAAARHLEBf///wEAAAAAAAAAAAAAAAAAAAAAAAAAAAAAAAAAAAAAAAAAAAAAAAJ/f38A5+bmA8zMzADAwP8Af39/AAAAAAAAAAAAAAAAAAAAAAAAAAAAIQAAABgAAAAUAAAAKAUAADsLAADYRQAAACYAABAAAAAmAAAACAAAAAAAAAAAAAAAMAAAABQAAAAAAAAAAAD//wAAAQAAAP//AAABAA=="/>
               </a:ext>
             </a:extLst>
           </p:cNvSpPr>
@@ -6244,7 +6244,7 @@
             <a:spLocks noGrp="1" noChangeArrowheads="1"/>
             <a:extLst>
               <a:ext uri="smNativeData">
-                <pr:smNativeData xmlns="smNativeData" xmlns:pr="smNativeData" xmlns:p15="http://schemas.microsoft.com/office/powerpoint/2012/main" xmlns:p14="http://schemas.microsoft.com/office/powerpoint/2010/main" xmlns:mc="http://schemas.openxmlformats.org/markup-compatibility/2006" val="SMDATA_16_xzE7ZxMAAAAlAAAAZAAAAA0AAAAAkAAAAEgAAACQAAAASAAAAAAAAAABAAAAAAAAAAEAAABQAAAAAAAAAAAA4D8AAAAAAADgPwAAAAAAAOA/AAAAAAAA4D8AAAAAAADgPwAAAAAAAOA/AAAAAAAA4D8AAAAAAADgPwAAAAAAAOA/AAAAAAAA4D8CAAAAjAAAAAAAAAAAAAAARHLEDP///wgAAAAAAAAAAAAAAAAAAAAAAAAAAAAAAAAAAAAAZAAAAAEAAABAAAAAAAAAAAAAAAAAAAAAAAAAAAAAAAAAAAAAAAAAAAAAAAAAAAAAAAAAAAAAAAAAAAAAAAAAAAAAAAAAAAAAAAAAAAAAAAAAAAAAAAAAAAAAAAAAAAAAFAAAADwAAAAAAAAAAAAAAAAAAAkUAAAAAQAAABQAAAAUAAAAFAAAAAEAAAAAAAAAZAAAAGQAAAAAAAAAZAAAAGQAAAAVAAAAYAAAAAAAAAAAAAAADwAAACADAAAAAAAAAAAAAAEAAACgMgAAVgcAAKr4//8BAAAAf39/AAEAAABkAAAAAAAAABQAAABAHwAAAAAAACYAAAAAAAAAwOD//wAAAAAmAAAAZAAAABYAAABMAAAAAAAAAAAAAAAEAAAAAAAAAAEAAADn5uYKAAAAACgAAAAoAAAAZAAAAGQAAAAAAAAAzMzMAAAAAABQAAAAUAAAAGQAAABkAAAAAAAAABcAAAAUAAAAAAAAAAAAAAD/fwAA/38AAAAAAAAJAAAABAAAANCabbseAAAAaAAAAAAAAAAAAAAAAAAAAAAAAAAAAAAAECcAABAnAAAAAAAAAAAAAAAAAAAAAAAAAAAAAAAAAAAAAAAAAAAAABQAAAAAAAAAwMD/AAAAAABkAAAAMgAAAAAAAABkAAAAAAAAAH9/fwAKAAAAIgAAABgAAAAAAAAAAAAAAAAAAAAAAAAAAAAAAAAAAAAkAAAAJAAAAAAAAAAHAAAAAAAAAAAAAAAAAAAAAAAAAAAAAAAAAAAAf39/ACUAAABYAAAAAAAAAAAAAAAAAAAAAAAAAAAAAAAAAAAAAAAAAAAAAAAAAAAAAAAAAAAAAAA/AAAAAAAAAKCGAQAAAAAAAAAAAAAAAAAMAAAAAQAAAAAAAAAAAAAAAAAAAB8AAABUAAAARHLEBf///wEAAAAAAAAAAAAAAAAAAAAAAAAAAAAAAAAAAAAAAAAAAAAAAAJ/f38A5+bmA8zMzADAwP8Af39/AAAAAAAAAAAAAAAAAAAAAAAAAAAAIQAAABgAAAAUAAAAKAUAAD8CAADYRQAAUwYAABAAAAAmAAAACAAAAAEgAAAAAAAAMAAAABQAAAAAAAAAAAD//wAAAQAAAP//AAABAA=="/>
+                <pr:smNativeData xmlns:mc="http://schemas.openxmlformats.org/markup-compatibility/2006" xmlns:p14="http://schemas.microsoft.com/office/powerpoint/2010/main" xmlns:p15="http://schemas.microsoft.com/office/powerpoint/2012/main" xmlns:pr="smNativeData" xmlns="smNativeData" val="SMDATA_16_xzE7ZxMAAAAlAAAAZAAAAA0AAAAAkAAAAEgAAACQAAAASAAAAAAAAAABAAAAAAAAAAEAAABQAAAAAAAAAAAA4D8AAAAAAADgPwAAAAAAAOA/AAAAAAAA4D8AAAAAAADgPwAAAAAAAOA/AAAAAAAA4D8AAAAAAADgPwAAAAAAAOA/AAAAAAAA4D8CAAAAjAAAAAAAAAAAAAAARHLEDP///wgAAAAAAAAAAAAAAAAAAAAAAAAAAAAAAAAAAAAAZAAAAAEAAABAAAAAAAAAAAAAAAAAAAAAAAAAAAAAAAAAAAAAAAAAAAAAAAAAAAAAAAAAAAAAAAAAAAAAAAAAAAAAAAAAAAAAAAAAAAAAAAAAAAAAAAAAAAAAAAAAAAAAFAAAADwAAAAAAAAAAAAAAAAAAAkUAAAAAQAAABQAAAAUAAAAFAAAAAEAAAAAAAAAZAAAAGQAAAAAAAAAZAAAAGQAAAAVAAAAYAAAAAAAAAAAAAAADwAAACADAAAAAAAAAAAAAAEAAACgMgAAVgcAAKr4//8BAAAAf39/AAEAAABkAAAAAAAAABQAAABAHwAAAAAAACYAAAAAAAAAwOD//wAAAAAmAAAAZAAAABYAAABMAAAAAAAAAAAAAAAEAAAAAAAAAAEAAADn5uYKAAAAACgAAAAoAAAAZAAAAGQAAAAAAAAAzMzMAAAAAABQAAAAUAAAAGQAAABkAAAAAAAAABcAAAAUAAAAAAAAAAAAAAD/fwAA/38AAAAAAAAJAAAABAAAANCabbseAAAAaAAAAAAAAAAAAAAAAAAAAAAAAAAAAAAAECcAABAnAAAAAAAAAAAAAAAAAAAAAAAAAAAAAAAAAAAAAAAAAAAAABQAAAAAAAAAwMD/AAAAAABkAAAAMgAAAAAAAABkAAAAAAAAAH9/fwAKAAAAIgAAABgAAAAAAAAAAAAAAAAAAAAAAAAAAAAAAAAAAAAkAAAAJAAAAAAAAAAHAAAAAAAAAAAAAAAAAAAAAAAAAAAAAAAAAAAAf39/ACUAAABYAAAAAAAAAAAAAAAAAAAAAAAAAAAAAAAAAAAAAAAAAAAAAAAAAAAAAAAAAAAAAAA/AAAAAAAAAKCGAQAAAAAAAAAAAAAAAAAMAAAAAQAAAAAAAAAAAAAAAAAAAB8AAABUAAAARHLEBf///wEAAAAAAAAAAAAAAAAAAAAAAAAAAAAAAAAAAAAAAAAAAAAAAAJ/f38A5+bmA8zMzADAwP8Af39/AAAAAAAAAAAAAAAAAAAAAAAAAAAAIQAAABgAAAAUAAAAKAUAAD8CAADYRQAAUwYAABAAAAAmAAAACAAAAAEgAAAAAAAAMAAAABQAAAAAAAAAAAD//wAAAQAAAP//AAABAA=="/>
               </a:ext>
             </a:extLst>
           </p:cNvSpPr>
@@ -6283,7 +6283,7 @@
             <a:spLocks noGrp="1" noChangeArrowheads="1"/>
             <a:extLst>
               <a:ext uri="smNativeData">
-                <pr:smNativeData xmlns="smNativeData" xmlns:pr="smNativeData" xmlns:p15="http://schemas.microsoft.com/office/powerpoint/2012/main" xmlns:p14="http://schemas.microsoft.com/office/powerpoint/2010/main" xmlns:mc="http://schemas.openxmlformats.org/markup-compatibility/2006" val="SMDATA_16_xzE7ZxMAAAAlAAAAZAAAAA0AAAAAkAAAAEgAAACQAAAASAAAAAAAAAAAAAAAAAAAAAEAAABQAAAAAAAAAAAA4D8AAAAAAADgPwAAAAAAAOA/AAAAAAAA4D8AAAAAAADgPwAAAAAAAOA/AAAAAAAA4D8AAAAAAADgPwAAAAAAAOA/AAAAAAAA4D8CAAAAjAAAAAAAAAAAAAAARHLEDP///wgAAAAAAAAAAAAAAAAAAAAAAAAAAAAAAAAAAAAAZAAAAAEAAABAAAAAAAAAAAAAAAAAAAAAAAAAAAAAAAAAAAAAAAAAAAAAAAAAAAAAAAAAAAAAAAAAAAAAAAAAAAAAAAAAAAAAAAAAAAAAAAAAAAAAAAAAAAAAAAAAAAAAFAAAADwAAAAAAAAAAAAAAAAAAAkUAAAAAQAAABQAAAAUAAAAFAAAAAEAAAAAAAAAZAAAAGQAAAAAAAAAZAAAAGQAAAAVAAAAYAAAAAAAAAAAAAAADwAAACADAAAAAAAAAAAAAAEAAACgMgAAVgcAAKr4//8BAAAAf39/AAEAAABkAAAAAAAAABQAAABAHwAAAAAAACYAAAAAAAAAwOD//wAAAAAmAAAAZAAAABYAAABMAAAAAAAAAAAAAAAEAAAAAAAAAAEAAADn5uYKAAAAACgAAAAoAAAAZAAAAGQAAAAAAAAAzMzMAAAAAABQAAAAUAAAAGQAAABkAAAAAAAAABcAAAAUAAAAAAAAAAAAAAD/fwAA/38AAAAAAAAJAAAABAAAAAAAAAAeAAAAaAAAAAAAAAAAAAAAAAAAAAAAAAAAAAAAECcAABAnAAAAAAAAAAAAAAAAAAAAAAAAAAAAAAAAAAAAAAAAAAAAABQAAAAAAAAAwMD/AAAAAABkAAAAMgAAAAAAAABkAAAAAAAAAH9/fwAKAAAAIgAAABgAAAAAAAAAAAAAAAAAAAAAAAAAAAAAAAAAAAAkAAAAJAAAAAAAAAAHAAAAAAAAAAAAAAAAAAAAAAAAAAAAAAAAAAAAf39/ACUAAABYAAAAAAAAAAAAAAAAAAAAAAAAAAAAAAAAAAAAAAAAAAAAAAAAAAAAAAAAAAAAAAA/AAAAAAAAAKCGAQAAAAAAAAAAAAAAAAAMAAAAAQAAAAAAAAAAAAAAAAAAAB8AAABUAAAARHLEBf///wEAAAAAAAAAAAAAAAAAAAAAAAAAAAAAAAAAAAAAAAAAAAAAAAJ/f38A5+bmA8zMzADAwP8Af39/AAAAAAAAAAAAAAAAAAAAAAAAAAAAIQAAABgAAAAUAAAAKAUAADsLAADYRQAAACYAABAAAAAmAAAACAAAAAAAAAAAAAAAMAAAABQAAAAAAAAAAAD//wAAAQAAAP//AAABAA=="/>
+                <pr:smNativeData xmlns:mc="http://schemas.openxmlformats.org/markup-compatibility/2006" xmlns:p14="http://schemas.microsoft.com/office/powerpoint/2010/main" xmlns:p15="http://schemas.microsoft.com/office/powerpoint/2012/main" xmlns:pr="smNativeData" xmlns="smNativeData" val="SMDATA_16_xzE7ZxMAAAAlAAAAZAAAAA0AAAAAkAAAAEgAAACQAAAASAAAAAAAAAAAAAAAAAAAAAEAAABQAAAAAAAAAAAA4D8AAAAAAADgPwAAAAAAAOA/AAAAAAAA4D8AAAAAAADgPwAAAAAAAOA/AAAAAAAA4D8AAAAAAADgPwAAAAAAAOA/AAAAAAAA4D8CAAAAjAAAAAAAAAAAAAAARHLEDP///wgAAAAAAAAAAAAAAAAAAAAAAAAAAAAAAAAAAAAAZAAAAAEAAABAAAAAAAAAAAAAAAAAAAAAAAAAAAAAAAAAAAAAAAAAAAAAAAAAAAAAAAAAAAAAAAAAAAAAAAAAAAAAAAAAAAAAAAAAAAAAAAAAAAAAAAAAAAAAAAAAAAAAFAAAADwAAAAAAAAAAAAAAAAAAAkUAAAAAQAAABQAAAAUAAAAFAAAAAEAAAAAAAAAZAAAAGQAAAAAAAAAZAAAAGQAAAAVAAAAYAAAAAAAAAAAAAAADwAAACADAAAAAAAAAAAAAAEAAACgMgAAVgcAAKr4//8BAAAAf39/AAEAAABkAAAAAAAAABQAAABAHwAAAAAAACYAAAAAAAAAwOD//wAAAAAmAAAAZAAAABYAAABMAAAAAAAAAAAAAAAEAAAAAAAAAAEAAADn5uYKAAAAACgAAAAoAAAAZAAAAGQAAAAAAAAAzMzMAAAAAABQAAAAUAAAAGQAAABkAAAAAAAAABcAAAAUAAAAAAAAAAAAAAD/fwAA/38AAAAAAAAJAAAABAAAAAAAAAAeAAAAaAAAAAAAAAAAAAAAAAAAAAAAAAAAAAAAECcAABAnAAAAAAAAAAAAAAAAAAAAAAAAAAAAAAAAAAAAAAAAAAAAABQAAAAAAAAAwMD/AAAAAABkAAAAMgAAAAAAAABkAAAAAAAAAH9/fwAKAAAAIgAAABgAAAAAAAAAAAAAAAAAAAAAAAAAAAAAAAAAAAAkAAAAJAAAAAAAAAAHAAAAAAAAAAAAAAAAAAAAAAAAAAAAAAAAAAAAf39/ACUAAABYAAAAAAAAAAAAAAAAAAAAAAAAAAAAAAAAAAAAAAAAAAAAAAAAAAAAAAAAAAAAAAA/AAAAAAAAAKCGAQAAAAAAAAAAAAAAAAAMAAAAAQAAAAAAAAAAAAAAAAAAAB8AAABUAAAARHLEBf///wEAAAAAAAAAAAAAAAAAAAAAAAAAAAAAAAAAAAAAAAAAAAAAAAJ/f38A5+bmA8zMzADAwP8Af39/AAAAAAAAAAAAAAAAAAAAAAAAAAAAIQAAABgAAAAUAAAAKAUAADsLAADYRQAAACYAABAAAAAmAAAACAAAAAAAAAAAAAAAMAAAABQAAAAAAAAAAAD//wAAAQAAAP//AAABAA=="/>
               </a:ext>
             </a:extLst>
           </p:cNvSpPr>
@@ -6366,7 +6366,7 @@
             <a:spLocks noGrp="1" noChangeArrowheads="1"/>
             <a:extLst>
               <a:ext uri="smNativeData">
-                <pr:smNativeData xmlns="smNativeData" xmlns:pr="smNativeData" xmlns:p15="http://schemas.microsoft.com/office/powerpoint/2012/main" xmlns:p14="http://schemas.microsoft.com/office/powerpoint/2010/main" xmlns:mc="http://schemas.openxmlformats.org/markup-compatibility/2006" val="SMDATA_16_xzE7ZxMAAAAlAAAAZAAAAA0AAAAAkAAAAEgAAACQAAAASAAAAAAAAAABAAAAAAAAAAEAAABQAAAAAAAAAAAA4D8AAAAAAADgPwAAAAAAAOA/AAAAAAAA4D8AAAAAAADgPwAAAAAAAOA/AAAAAAAA4D8AAAAAAADgPwAAAAAAAOA/AAAAAAAA4D8CAAAAjAAAAAAAAAAAAAAARHLEDP///wgAAAAAAAAAAAAAAAAAAAAAAAAAAAAAAAAAAAAAZAAAAAEAAABAAAAAAAAAAAAAAAAAAAAAAAAAAAAAAAAAAAAAAAAAAAAAAAAAAAAAAAAAAAAAAAAAAAAAAAAAAAAAAAAAAAAAAAAAAAAAAAAAAAAAAAAAAAAAAAAAAAAAFAAAADwAAAAAAAAAAAAAAAAAAAkUAAAAAQAAABQAAAAUAAAAFAAAAAEAAAAAAAAAZAAAAGQAAAAAAAAAZAAAAGQAAAAVAAAAYAAAAAAAAAAAAAAADwAAACADAAAAAAAAAAAAAAEAAACgMgAAVgcAAKr4//8BAAAAf39/AAEAAABkAAAAAAAAABQAAABAHwAAAAAAACYAAAAAAAAAwOD//wAAAAAmAAAAZAAAABYAAABMAAAAAAAAAAAAAAAEAAAAAAAAAAEAAADn5uYKAAAAACgAAAAoAAAAZAAAAGQAAAAAAAAAzMzMAAAAAABQAAAAUAAAAGQAAABkAAAAAAAAABcAAAAUAAAAAAAAAAAAAAD/fwAA/38AAAAAAAAJAAAABAAAAAAAAAAeAAAAaAAAAAAAAAAAAAAAAAAAAAAAAAAAAAAAECcAABAnAAAAAAAAAAAAAAAAAAAAAAAAAAAAAAAAAAAAAAAAAAAAABQAAAAAAAAAwMD/AAAAAABkAAAAMgAAAAAAAABkAAAAAAAAAH9/fwAKAAAAIgAAABgAAAAAAAAAAAAAAAAAAAAAAAAAAAAAAAAAAAAkAAAAJAAAAAAAAAAHAAAAAAAAAAAAAAAAAAAAAAAAAAAAAAAAAAAAf39/ACUAAABYAAAAAAAAAAAAAAAAAAAAAAAAAAAAAAAAAAAAAAAAAAAAAAAAAAAAAAAAAAAAAAA/AAAAAAAAAKCGAQAAAAAAAAAAAAAAAAAMAAAAAQAAAAAAAAAAAAAAAAAAAB8AAABUAAAARHLEBf///wEAAAAAAAAAAAAAAAAAAAAAAAAAAAAAAAAAAAAAAAAAAAAAAAJ/f38A5+bmA8zMzADAwP8Af39/AAAAAAAAAAAAAAAAAAAAAAAAAAAAIQAAABgAAAAUAAAAKAUAAD8CAADYRQAAZwoAABAAAAAmAAAACAAAAAAAAAAAAAAAMAAAABQAAAAAAAAAAAD//wAAAQAAAP//AAABAA=="/>
+                <pr:smNativeData xmlns:mc="http://schemas.openxmlformats.org/markup-compatibility/2006" xmlns:p14="http://schemas.microsoft.com/office/powerpoint/2010/main" xmlns:p15="http://schemas.microsoft.com/office/powerpoint/2012/main" xmlns:pr="smNativeData" xmlns="smNativeData" val="SMDATA_16_xzE7ZxMAAAAlAAAAZAAAAA0AAAAAkAAAAEgAAACQAAAASAAAAAAAAAABAAAAAAAAAAEAAABQAAAAAAAAAAAA4D8AAAAAAADgPwAAAAAAAOA/AAAAAAAA4D8AAAAAAADgPwAAAAAAAOA/AAAAAAAA4D8AAAAAAADgPwAAAAAAAOA/AAAAAAAA4D8CAAAAjAAAAAAAAAAAAAAARHLEDP///wgAAAAAAAAAAAAAAAAAAAAAAAAAAAAAAAAAAAAAZAAAAAEAAABAAAAAAAAAAAAAAAAAAAAAAAAAAAAAAAAAAAAAAAAAAAAAAAAAAAAAAAAAAAAAAAAAAAAAAAAAAAAAAAAAAAAAAAAAAAAAAAAAAAAAAAAAAAAAAAAAAAAAFAAAADwAAAAAAAAAAAAAAAAAAAkUAAAAAQAAABQAAAAUAAAAFAAAAAEAAAAAAAAAZAAAAGQAAAAAAAAAZAAAAGQAAAAVAAAAYAAAAAAAAAAAAAAADwAAACADAAAAAAAAAAAAAAEAAACgMgAAVgcAAKr4//8BAAAAf39/AAEAAABkAAAAAAAAABQAAABAHwAAAAAAACYAAAAAAAAAwOD//wAAAAAmAAAAZAAAABYAAABMAAAAAAAAAAAAAAAEAAAAAAAAAAEAAADn5uYKAAAAACgAAAAoAAAAZAAAAGQAAAAAAAAAzMzMAAAAAABQAAAAUAAAAGQAAABkAAAAAAAAABcAAAAUAAAAAAAAAAAAAAD/fwAA/38AAAAAAAAJAAAABAAAAAAAAAAeAAAAaAAAAAAAAAAAAAAAAAAAAAAAAAAAAAAAECcAABAnAAAAAAAAAAAAAAAAAAAAAAAAAAAAAAAAAAAAAAAAAAAAABQAAAAAAAAAwMD/AAAAAABkAAAAMgAAAAAAAABkAAAAAAAAAH9/fwAKAAAAIgAAABgAAAAAAAAAAAAAAAAAAAAAAAAAAAAAAAAAAAAkAAAAJAAAAAAAAAAHAAAAAAAAAAAAAAAAAAAAAAAAAAAAAAAAAAAAf39/ACUAAABYAAAAAAAAAAAAAAAAAAAAAAAAAAAAAAAAAAAAAAAAAAAAAAAAAAAAAAAAAAAAAAA/AAAAAAAAAKCGAQAAAAAAAAAAAAAAAAAMAAAAAQAAAAAAAAAAAAAAAAAAAB8AAABUAAAARHLEBf///wEAAAAAAAAAAAAAAAAAAAAAAAAAAAAAAAAAAAAAAAAAAAAAAAJ/f38A5+bmA8zMzADAwP8Af39/AAAAAAAAAAAAAAAAAAAAAAAAAAAAIQAAABgAAAAUAAAAKAUAAD8CAADYRQAAZwoAABAAAAAmAAAACAAAAAAAAAAAAAAAMAAAABQAAAAAAAAAAAD//wAAAQAAAP//AAABAA=="/>
               </a:ext>
             </a:extLst>
           </p:cNvSpPr>
@@ -6397,7 +6397,7 @@
             <a:spLocks noGrp="1" noChangeArrowheads="1"/>
             <a:extLst>
               <a:ext uri="smNativeData">
-                <pr:smNativeData xmlns="smNativeData" xmlns:pr="smNativeData" xmlns:p15="http://schemas.microsoft.com/office/powerpoint/2012/main" xmlns:p14="http://schemas.microsoft.com/office/powerpoint/2010/main" xmlns:mc="http://schemas.openxmlformats.org/markup-compatibility/2006" val="SMDATA_16_xzE7ZxMAAAAlAAAAZAAAAA0AAAAAkAAAAEgAAACQAAAASAAAAAAAAAAAAAAAAAAAAAEAAABQAAAAAAAAAAAA4D8AAAAAAADgPwAAAAAAAOA/AAAAAAAA4D8AAAAAAADgPwAAAAAAAOA/AAAAAAAA4D8AAAAAAADgPwAAAAAAAOA/AAAAAAAA4D8CAAAAjAAAAAAAAAAAAAAARHLEDP///wgAAAAAAAAAAAAAAAAAAAAAAAAAAAAAAAAAAAAAZAAAAAEAAABAAAAAAAAAAAAAAAAAAAAAAAAAAAAAAAAAAAAAAAAAAAAAAAAAAAAAAAAAAAAAAAAAAAAAAAAAAAAAAAAAAAAAAAAAAAAAAAAAAAAAAAAAAAAAAAAAAAAAFAAAADwAAAAAAAAAAAAAAAAAAAkUAAAAAQAAABQAAAAUAAAAFAAAAAEAAAAAAAAAZAAAAGQAAAAAAAAAZAAAAGQAAAAVAAAAYAAAAAAAAAAAAAAADwAAACADAAAAAAAAAAAAAAEAAACgMgAAVgcAAKr4//8BAAAAf39/AAEAAABkAAAAAAAAABQAAABAHwAAAAAAACYAAAAAAAAAwOD//wAAAAAmAAAAZAAAABYAAABMAAAAAAAAAAAAAAAEAAAAAAAAAAEAAADn5uYKAAAAACgAAAAoAAAAZAAAAGQAAAAAAAAAzMzMAAAAAABQAAAAUAAAAGQAAABkAAAAAAAAABcAAAAUAAAAAAAAAAAAAAD/fwAA/38AAAAAAAAJAAAABAAAAAAAAAAeAAAAaAAAAAAAAAAAAAAAAAAAAAAAAAAAAAAAECcAABAnAAAAAAAAAAAAAAAAAAAAAAAAAAAAAAAAAAAAAAAAAAAAABQAAAAAAAAAwMD/AAAAAABkAAAAMgAAAAAAAABkAAAAAAAAAH9/fwAKAAAAIgAAABgAAAAAAAAAAAAAAAAAAAAAAAAAAAAAAAAAAAAkAAAAJAAAAAAAAAAHAAAAAAAAAAAAAAAAAAAAAAAAAAAAAAAAAAAAf39/ACUAAABYAAAAAAAAAAAAAAAAAAAAAAAAAAAAAAAAAAAAAAAAAAAAAAAAAAAAAAAAAAAAAAA/AAAAAAAAAKCGAQAAAAAAAAAAAAAAAAAMAAAAAQAAAAAAAAAAAAAAAAAAAB8AAABUAAAARHLEBf///wEAAAAAAAAAAAAAAAAAAAAAAAAAAAAAAAAAAAAAAAAAAAAAAAJ/f38A5+bmA8zMzADAwP8Af39/AAAAAAAAAAAAAAAAAAAAAAAAAAAAIQAAABgAAAAUAAAAKAUAADsLAADYRQAAACYAABAAAAAmAAAACAAAAAAAAAAAAAAAMAAAABQAAAAAAAAAAAD//wAAAQAAAP//AAABAA=="/>
+                <pr:smNativeData xmlns:mc="http://schemas.openxmlformats.org/markup-compatibility/2006" xmlns:p14="http://schemas.microsoft.com/office/powerpoint/2010/main" xmlns:p15="http://schemas.microsoft.com/office/powerpoint/2012/main" xmlns:pr="smNativeData" xmlns="smNativeData" val="SMDATA_16_xzE7ZxMAAAAlAAAAZAAAAA0AAAAAkAAAAEgAAACQAAAASAAAAAAAAAAAAAAAAAAAAAEAAABQAAAAAAAAAAAA4D8AAAAAAADgPwAAAAAAAOA/AAAAAAAA4D8AAAAAAADgPwAAAAAAAOA/AAAAAAAA4D8AAAAAAADgPwAAAAAAAOA/AAAAAAAA4D8CAAAAjAAAAAAAAAAAAAAARHLEDP///wgAAAAAAAAAAAAAAAAAAAAAAAAAAAAAAAAAAAAAZAAAAAEAAABAAAAAAAAAAAAAAAAAAAAAAAAAAAAAAAAAAAAAAAAAAAAAAAAAAAAAAAAAAAAAAAAAAAAAAAAAAAAAAAAAAAAAAAAAAAAAAAAAAAAAAAAAAAAAAAAAAAAAFAAAADwAAAAAAAAAAAAAAAAAAAkUAAAAAQAAABQAAAAUAAAAFAAAAAEAAAAAAAAAZAAAAGQAAAAAAAAAZAAAAGQAAAAVAAAAYAAAAAAAAAAAAAAADwAAACADAAAAAAAAAAAAAAEAAACgMgAAVgcAAKr4//8BAAAAf39/AAEAAABkAAAAAAAAABQAAABAHwAAAAAAACYAAAAAAAAAwOD//wAAAAAmAAAAZAAAABYAAABMAAAAAAAAAAAAAAAEAAAAAAAAAAEAAADn5uYKAAAAACgAAAAoAAAAZAAAAGQAAAAAAAAAzMzMAAAAAABQAAAAUAAAAGQAAABkAAAAAAAAABcAAAAUAAAAAAAAAAAAAAD/fwAA/38AAAAAAAAJAAAABAAAAAAAAAAeAAAAaAAAAAAAAAAAAAAAAAAAAAAAAAAAAAAAECcAABAnAAAAAAAAAAAAAAAAAAAAAAAAAAAAAAAAAAAAAAAAAAAAABQAAAAAAAAAwMD/AAAAAABkAAAAMgAAAAAAAABkAAAAAAAAAH9/fwAKAAAAIgAAABgAAAAAAAAAAAAAAAAAAAAAAAAAAAAAAAAAAAAkAAAAJAAAAAAAAAAHAAAAAAAAAAAAAAAAAAAAAAAAAAAAAAAAAAAAf39/ACUAAABYAAAAAAAAAAAAAAAAAAAAAAAAAAAAAAAAAAAAAAAAAAAAAAAAAAAAAAAAAAAAAAA/AAAAAAAAAKCGAQAAAAAAAAAAAAAAAAAMAAAAAQAAAAAAAAAAAAAAAAAAAB8AAABUAAAARHLEBf///wEAAAAAAAAAAAAAAAAAAAAAAAAAAAAAAAAAAAAAAAAAAAAAAAJ/f38A5+bmA8zMzADAwP8Af39/AAAAAAAAAAAAAAAAAAAAAAAAAAAAIQAAABgAAAAUAAAAKAUAADsLAADYRQAAACYAABAAAAAmAAAACAAAAAAAAAAAAAAAMAAAABQAAAAAAAAAAAD//wAAAQAAAP//AAABAA=="/>
               </a:ext>
             </a:extLst>
           </p:cNvSpPr>
@@ -6413,20 +6413,15 @@
             <a:pPr>
               <a:defRPr lang="ru-ru"/>
             </a:pPr>
-            <a:endParaRPr/>
+            <a:endParaRPr dirty="0"/>
           </a:p>
         </p:txBody>
       </p:sp>
       <p:pic>
         <p:nvPicPr>
-          <p:cNvPr id="4" name="Рисунок 4"/>
+          <p:cNvPr id="6" name="Рисунок 5"/>
           <p:cNvPicPr>
             <a:picLocks noChangeAspect="1"/>
-            <a:extLst>
-              <a:ext uri="smNativeData">
-                <pr:smNativeData xmlns="smNativeData" xmlns:pr="smNativeData" xmlns:p15="http://schemas.microsoft.com/office/powerpoint/2012/main" xmlns:p14="http://schemas.microsoft.com/office/powerpoint/2010/main" xmlns:mc="http://schemas.openxmlformats.org/markup-compatibility/2006" val="SMDATA_18_xzE7ZxMAAAAlAAAAEQAAAC0AAAAAkAAAAEgAAACQAAAASAAAAAAAAAAAAAAAAAAAAAEAAABQAAAAAAAAAAAA4D8AAAAAAADgPwAAAAAAAOA/AAAAAAAA4D8AAAAAAADgPwAAAAAAAOA/AAAAAAAA4D8AAAAAAADgPwAAAAAAAOA/AAAAAAAA4D8CAAAAjAAAAAAAAAAAAAAARHLEDP///wgAAAAAAAAAAAAAAAAAAAAAAAAAAAAAAAAAAAAAZAAAAAEAAABAAAAAAAAAAAAAAAAAAAAAAAAAAAAAAAAAAAAAAAAAAAAAAAAAAAAAAAAAAAAAAAAAAAAAAAAAAAAAAAAAAAAAAAAAAAAAAAAAAAAAAAAAAAAAAAAAAAAAFAAAADwAAAAAAAAAAAAAAAAAAAkUAAAAAQAAABQAAAAUAAAAFAAAAAEAAAAAAAAAZAAAAGQAAAAAAAAAZAAAAGQAAAAVAAAAYAAAAAAAAAAAAAAADwAAACADAAAAAAAAAAAAAAEAAACgMgAAVgcAAKr4//8BAAAAf39/AAEAAABkAAAAAAAAABQAAABAHwAAAAAAACYAAAAAAAAAwOD//wAAAAAmAAAAZAAAABYAAABMAAAAAAAAAAAAAAAEAAAAAAAAAAEAAADn5uYKAAAAACgAAAAoAAAAZAAAAGQAAAAAAAAAzMzMAAAAAABQAAAAUAAAAGQAAABkAAAAAAAAAAcAAAA4AAAAAAAAAAAAAAAAAAAA////AAAAAAAAAAAAAAAAAAAAAAAAAAAAAAAAAAAAAABkAAAAZAAAAAAAAAAjAAAABAAAAGQAAAAXAAAAFAAAAAAAAAAAAAAA/38AAP9/AAAAAAAACQAAAAQAAAD/////HgAAAGgAAAAAAAAAAAAAAAAAAAAAAAAAAAAAABAnAAAQJwAAAAAAAAAAAAAAAAAAAAAAAAAAAAAAAAAAAAAAAAAAAAAUAAAAAAAAAMDA/wAAAAAAZAAAADIAAAAAAAAAZAAAAAAAAAB/f38ACgAAACIAAAAYAAAAAAAAAAAAAAAAAAAAAAAAAAAAAAAAAAAAJAAAACQAAAAAAAAABwAAAAAAAAAAAAAAAAAAAAAAAAAAAAAAAAAAAH9/fwAlAAAAWAAAAAAAAAAAAAAAAAAAAAAAAAAAAAAAAAAAAAAAAAAAAAAAAAAAAAAAAAAAAAAAPwAAAAAAAACghgEAAAAAAAAAAAAAAAAADAAAAAEAAAAAAAAAAAAAAAAAAAAfAAAAVAAAAERyxAX///8BAAAAAAAAAAAAAAAAAAAAAAAAAAAAAAAAAAAAAAAAAAAAAAACf39/AOfm5gPMzMwAwMD/AH9/fwAAAAAAAAAAAAAAAAD///8AAAAAACEAAAAYAAAAFAAAAPMrAAAYFQAAw0YAANQmAAAQAAAAJgAAAAgAAAD//////////zAAAAAUAAAAAAAAAAAA//8AAAEAAAD//wAAAQA="/>
-              </a:ext>
-            </a:extLst>
           </p:cNvPicPr>
           <p:nvPr/>
         </p:nvPicPr>
@@ -6438,29 +6433,19 @@
         </p:blipFill>
         <p:spPr>
           <a:xfrm>
-            <a:off x="7144385" y="3429000"/>
-            <a:ext cx="4358640" cy="2882900"/>
+            <a:off x="191080" y="2756848"/>
+            <a:ext cx="5765631" cy="3731312"/>
           </a:xfrm>
           <a:prstGeom prst="rect">
             <a:avLst/>
           </a:prstGeom>
-          <a:noFill/>
-          <a:ln>
-            <a:noFill/>
-          </a:ln>
-          <a:effectLst/>
         </p:spPr>
       </p:pic>
       <p:pic>
         <p:nvPicPr>
-          <p:cNvPr id="5" name="Рисунок 6"/>
+          <p:cNvPr id="8" name="Рисунок 7"/>
           <p:cNvPicPr>
             <a:picLocks noChangeAspect="1"/>
-            <a:extLst>
-              <a:ext uri="smNativeData">
-                <pr:smNativeData xmlns="smNativeData" xmlns:pr="smNativeData" xmlns:p15="http://schemas.microsoft.com/office/powerpoint/2012/main" xmlns:p14="http://schemas.microsoft.com/office/powerpoint/2010/main" xmlns:mc="http://schemas.openxmlformats.org/markup-compatibility/2006" val="SMDATA_18_xzE7ZxMAAAAlAAAAEQAAAC0AAAAAkAAAAEgAAACQAAAASAAAAAAAAAAAAAAAAAAAAAEAAABQAAAAAAAAAAAA4D8AAAAAAADgPwAAAAAAAOA/AAAAAAAA4D8AAAAAAADgPwAAAAAAAOA/AAAAAAAA4D8AAAAAAADgPwAAAAAAAOA/AAAAAAAA4D8CAAAAjAAAAAAAAAAAAAAARHLEDP///wgAAAAAAAAAAAAAAAAAAAAAAAAAAAAAAAAAAAAAZAAAAAEAAABAAAAAAAAAAAAAAAAAAAAAAAAAAAAAAAAAAAAAAAAAAAAAAAAAAAAAAAAAAAAAAAAAAAAAAAAAAAAAAAAAAAAAAAAAAAAAAAAAAAAAAAAAAAAAAAAAAAAAFAAAADwAAAAAAAAAAAAAAAAAAAkUAAAAAQAAABQAAAAUAAAAFAAAAAEAAAAAAAAAZAAAAGQAAAAAAAAAZAAAAGQAAAAVAAAAYAAAAAAAAAAAAAAADwAAACADAAAAAAAAAAAAAAEAAACgMgAAVgcAAKr4//8BAAAAf39/AAEAAABkAAAAAAAAABQAAABAHwAAAAAAACYAAAAAAAAAwOD//wAAAAAmAAAAZAAAABYAAABMAAAAAAAAAAAAAAAEAAAAAAAAAAEAAADn5uYKAAAAACgAAAAoAAAAZAAAAGQAAAAAAAAAzMzMAAAAAABQAAAAUAAAAGQAAABkAAAAAAAAAAcAAAA4AAAAAAAAAAAAAAAAAAAA////AAAAAAAAAAAAAAAAAAAAAAAAAAAAAAAAAAAAAABkAAAAZAAAAAAAAAAjAAAABAAAAGQAAAAXAAAAFAAAAAAAAAAAAAAA/38AAP9/AAAAAAAACQAAAAQAAAD/////HgAAAGgAAAAAAAAAAAAAAAAAAAAAAAAAAAAAABAnAAAQJwAAAAAAAAAAAAAAAAAAAAAAAAAAAAAAAAAAAAAAAAAAAAAUAAAAAAAAAMDA/wAAAAAAZAAAADIAAAAAAAAAZAAAAAAAAAB/f38ACgAAACIAAAAYAAAAAAAAAAAAAAAAAAAAAAAAAAAAAAAAAAAAJAAAACQAAAAAAAAABwAAAAAAAAAAAAAAAAAAAAAAAAAAAAAAAAAAAH9/fwAlAAAAWAAAAAAAAAAAAAAAAAAAAAAAAAAAAAAAAAAAAAAAAAAAAAAAAAAAAAAAAAAAAAAAPwAAAAAAAACghgEAAAAAAAAAAAAAAAAADAAAAAEAAAAAAAAAAAAAAAAAAAAfAAAAVAAAAERyxAX///8BAAAAAAAAAAAAAAAAAAAAAAAAAAAAAAAAAAAAAAAAAAAAAAACf39/AOfm5gPMzMwAwMD/AH9/fwAAAAAAAAAAAAAAAAD///8AAAAAACEAAAAYAAAAFAAAAEkCAACQDwAAMygAAAMpAAAQAAAAJgAAAAgAAAD//////////zAAAAAUAAAAAAAAAAAA//8AAAEAAAD//wAAAQA="/>
-              </a:ext>
-            </a:extLst>
           </p:cNvPicPr>
           <p:nvPr/>
         </p:nvPicPr>
@@ -6472,17 +6457,12 @@
         </p:blipFill>
         <p:spPr>
           <a:xfrm>
-            <a:off x="371475" y="2529840"/>
-            <a:ext cx="6163310" cy="4137025"/>
+            <a:off x="6437296" y="2835628"/>
+            <a:ext cx="5563624" cy="3652532"/>
           </a:xfrm>
           <a:prstGeom prst="rect">
             <a:avLst/>
           </a:prstGeom>
-          <a:noFill/>
-          <a:ln>
-            <a:noFill/>
-          </a:ln>
-          <a:effectLst/>
         </p:spPr>
       </p:pic>
     </p:spTree>
@@ -6524,7 +6504,7 @@
             <a:spLocks noGrp="1" noChangeArrowheads="1"/>
             <a:extLst>
               <a:ext uri="smNativeData">
-                <pr:smNativeData xmlns="smNativeData" xmlns:pr="smNativeData" xmlns:p15="http://schemas.microsoft.com/office/powerpoint/2012/main" xmlns:p14="http://schemas.microsoft.com/office/powerpoint/2010/main" xmlns:mc="http://schemas.openxmlformats.org/markup-compatibility/2006" val="SMDATA_16_xzE7ZxMAAAAlAAAAZAAAAA0AAAAAkAAAAEgAAACQAAAASAAAAAAAAAABAAAAAAAAAAEAAABQAAAAAAAAAAAA4D8AAAAAAADgPwAAAAAAAOA/AAAAAAAA4D8AAAAAAADgPwAAAAAAAOA/AAAAAAAA4D8AAAAAAADgPwAAAAAAAOA/AAAAAAAA4D8CAAAAjAAAAAAAAAAAAAAARHLEDP///wgAAAAAAAAAAAAAAAAAAAAAAAAAAAAAAAAAAAAAZAAAAAEAAABAAAAAAAAAAAAAAAAAAAAAAAAAAAAAAAAAAAAAAAAAAAAAAAAAAAAAAAAAAAAAAAAAAAAAAAAAAAAAAAAAAAAAAAAAAAAAAAAAAAAAAAAAAAAAAAAAAAAAFAAAADwAAAAAAAAAAAAAAAAAAAkUAAAAAQAAABQAAAAUAAAAFAAAAAEAAAAAAAAAZAAAAGQAAAAAAAAAZAAAAGQAAAAVAAAAYAAAAAAAAAAAAAAADwAAACADAAAAAAAAAAAAAAEAAACgMgAAVgcAAKr4//8BAAAAf39/AAEAAABkAAAAAAAAABQAAABAHwAAAAAAACYAAAAAAAAAwOD//wAAAAAmAAAAZAAAABYAAABMAAAAAAAAAAAAAAAEAAAAAAAAAAEAAADn5uYKAAAAACgAAAAoAAAAZAAAAGQAAAAAAAAAzMzMAAAAAABQAAAAUAAAAGQAAABkAAAAAAAAABcAAAAUAAAAAAAAAAAAAAD/fwAA/38AAAAAAAAJAAAABAAAAAAAAAAeAAAAaAAAAAAAAAAAAAAAAAAAAAAAAAAAAAAAECcAABAnAAAAAAAAAAAAAAAAAAAAAAAAAAAAAAAAAAAAAAAAAAAAABQAAAAAAAAAwMD/AAAAAABkAAAAMgAAAAAAAABkAAAAAAAAAH9/fwAKAAAAIgAAABgAAAAAAAAAAAAAAAAAAAAAAAAAAAAAAAAAAAAkAAAAJAAAAAAAAAAHAAAAAAAAAAAAAAAAAAAAAAAAAAAAAAAAAAAAf39/ACUAAABYAAAAAAAAAAAAAAAAAAAAAAAAAAAAAAAAAAAAAAAAAAAAAAAAAAAAAAAAAAAAAAA/AAAAAAAAAKCGAQAAAAAAAAAAAAAAAAAMAAAAAQAAAAAAAAAAAAAAAAAAAB8AAABUAAAARHLEBf///wEAAAAAAAAAAAAAAAAAAAAAAAAAAAAAAAAAAAAAAAAAAAAAAAJ/f38A5+bmA8zMzADAwP8Af39/AAAAAAAAAAAAAAAAAAAAAAAAAAAAIQAAABgAAAAUAAAAKAUAAD8CAADYRQAAZwoAABAAAAAmAAAACAAAAAAAAAAAAAAAMAAAABQAAAAAAAAAAAD//wAAAQAAAP//AAABAA=="/>
+                <pr:smNativeData xmlns:mc="http://schemas.openxmlformats.org/markup-compatibility/2006" xmlns:p14="http://schemas.microsoft.com/office/powerpoint/2010/main" xmlns:p15="http://schemas.microsoft.com/office/powerpoint/2012/main" xmlns:pr="smNativeData" xmlns="smNativeData" val="SMDATA_16_xzE7ZxMAAAAlAAAAZAAAAA0AAAAAkAAAAEgAAACQAAAASAAAAAAAAAABAAAAAAAAAAEAAABQAAAAAAAAAAAA4D8AAAAAAADgPwAAAAAAAOA/AAAAAAAA4D8AAAAAAADgPwAAAAAAAOA/AAAAAAAA4D8AAAAAAADgPwAAAAAAAOA/AAAAAAAA4D8CAAAAjAAAAAAAAAAAAAAARHLEDP///wgAAAAAAAAAAAAAAAAAAAAAAAAAAAAAAAAAAAAAZAAAAAEAAABAAAAAAAAAAAAAAAAAAAAAAAAAAAAAAAAAAAAAAAAAAAAAAAAAAAAAAAAAAAAAAAAAAAAAAAAAAAAAAAAAAAAAAAAAAAAAAAAAAAAAAAAAAAAAAAAAAAAAFAAAADwAAAAAAAAAAAAAAAAAAAkUAAAAAQAAABQAAAAUAAAAFAAAAAEAAAAAAAAAZAAAAGQAAAAAAAAAZAAAAGQAAAAVAAAAYAAAAAAAAAAAAAAADwAAACADAAAAAAAAAAAAAAEAAACgMgAAVgcAAKr4//8BAAAAf39/AAEAAABkAAAAAAAAABQAAABAHwAAAAAAACYAAAAAAAAAwOD//wAAAAAmAAAAZAAAABYAAABMAAAAAAAAAAAAAAAEAAAAAAAAAAEAAADn5uYKAAAAACgAAAAoAAAAZAAAAGQAAAAAAAAAzMzMAAAAAABQAAAAUAAAAGQAAABkAAAAAAAAABcAAAAUAAAAAAAAAAAAAAD/fwAA/38AAAAAAAAJAAAABAAAAAAAAAAeAAAAaAAAAAAAAAAAAAAAAAAAAAAAAAAAAAAAECcAABAnAAAAAAAAAAAAAAAAAAAAAAAAAAAAAAAAAAAAAAAAAAAAABQAAAAAAAAAwMD/AAAAAABkAAAAMgAAAAAAAABkAAAAAAAAAH9/fwAKAAAAIgAAABgAAAAAAAAAAAAAAAAAAAAAAAAAAAAAAAAAAAAkAAAAJAAAAAAAAAAHAAAAAAAAAAAAAAAAAAAAAAAAAAAAAAAAAAAAf39/ACUAAABYAAAAAAAAAAAAAAAAAAAAAAAAAAAAAAAAAAAAAAAAAAAAAAAAAAAAAAAAAAAAAAA/AAAAAAAAAKCGAQAAAAAAAAAAAAAAAAAMAAAAAQAAAAAAAAAAAAAAAAAAAB8AAABUAAAARHLEBf///wEAAAAAAAAAAAAAAAAAAAAAAAAAAAAAAAAAAAAAAAAAAAAAAAJ/f38A5+bmA8zMzADAwP8Af39/AAAAAAAAAAAAAAAAAAAAAAAAAAAAIQAAABgAAAAUAAAAKAUAAD8CAADYRQAAZwoAABAAAAAmAAAACAAAAAAAAAAAAAAAMAAAABQAAAAAAAAAAAD//wAAAQAAAP//AAABAA=="/>
               </a:ext>
             </a:extLst>
           </p:cNvSpPr>
@@ -6551,7 +6531,7 @@
             <a:spLocks noGrp="1" noChangeArrowheads="1"/>
             <a:extLst>
               <a:ext uri="smNativeData">
-                <pr:smNativeData xmlns="smNativeData" xmlns:pr="smNativeData" xmlns:p15="http://schemas.microsoft.com/office/powerpoint/2012/main" xmlns:p14="http://schemas.microsoft.com/office/powerpoint/2010/main" xmlns:mc="http://schemas.openxmlformats.org/markup-compatibility/2006" val="SMDATA_16_xzE7ZxMAAAAlAAAAZAAAAA0AAAAAkAAAAEgAAACQAAAASAAAAAAAAAAAAAAAAAAAAAEAAABQAAAAAAAAAAAA4D8AAAAAAADgPwAAAAAAAOA/AAAAAAAA4D8AAAAAAADgPwAAAAAAAOA/AAAAAAAA4D8AAAAAAADgPwAAAAAAAOA/AAAAAAAA4D8CAAAAjAAAAAAAAAAAAAAARHLEDP///wgAAAAAAAAAAAAAAAAAAAAAAAAAAAAAAAAAAAAAZAAAAAEAAABAAAAAAAAAAAAAAAAAAAAAAAAAAAAAAAAAAAAAAAAAAAAAAAAAAAAAAAAAAAAAAAAAAAAAAAAAAAAAAAAAAAAAAAAAAAAAAAAAAAAAAAAAAAAAAAAAAAAAFAAAADwAAAAAAAAAAAAAAAAAAAkUAAAAAQAAABQAAAAUAAAAFAAAAAEAAAAAAAAAZAAAAGQAAAAAAAAAZAAAAGQAAAAVAAAAYAAAAAAAAAAAAAAADwAAACADAAAAAAAAAAAAAAEAAACgMgAAVgcAAKr4//8BAAAAf39/AAEAAABkAAAAAAAAABQAAABAHwAAAAAAACYAAAAAAAAAwOD//wAAAAAmAAAAZAAAABYAAABMAAAAAAAAAAAAAAAEAAAAAAAAAAEAAADn5uYKAAAAACgAAAAoAAAAZAAAAGQAAAAAAAAAzMzMAAAAAABQAAAAUAAAAGQAAABkAAAAAAAAABcAAAAUAAAAAAAAAAAAAAD/fwAA/38AAAAAAAAJAAAABAAAAAAAAAAeAAAAaAAAAAAAAAAAAAAAAAAAAAAAAAAAAAAAECcAABAnAAAAAAAAAAAAAAAAAAAAAAAAAAAAAAAAAAAAAAAAAAAAABQAAAAAAAAAwMD/AAAAAABkAAAAMgAAAAAAAABkAAAAAAAAAH9/fwAKAAAAIgAAABgAAAAAAAAAAAAAAAAAAAAAAAAAAAAAAAAAAAAkAAAAJAAAAAAAAAAHAAAAAAAAAAAAAAAAAAAAAAAAAAAAAAAAAAAAf39/ACUAAABYAAAAAAAAAAAAAAAAAAAAAAAAAAAAAAAAAAAAAAAAAAAAAAAAAAAAAAAAAAAAAAA/AAAAAAAAAKCGAQAAAAAAAAAAAAAAAAAMAAAAAQAAAAAAAAAAAAAAAAAAAB8AAABUAAAARHLEBf///wEAAAAAAAAAAAAAAAAAAAAAAAAAAAAAAAAAAAAAAAAAAAAAAAJ/f38A5+bmA8zMzADAwP8Af39/AAAAAAAAAAAAAAAAAAAAAAAAAAAAIQAAABgAAAAUAAAAKAUAADsLAADYRQAAACYAABAAAAAmAAAACAAAAAAAAAAAAAAAMAAAABQAAAAAAAAAAAD//wAAAQAAAP//AAABAA=="/>
+                <pr:smNativeData xmlns:mc="http://schemas.openxmlformats.org/markup-compatibility/2006" xmlns:p14="http://schemas.microsoft.com/office/powerpoint/2010/main" xmlns:p15="http://schemas.microsoft.com/office/powerpoint/2012/main" xmlns:pr="smNativeData" xmlns="smNativeData" val="SMDATA_16_xzE7ZxMAAAAlAAAAZAAAAA0AAAAAkAAAAEgAAACQAAAASAAAAAAAAAAAAAAAAAAAAAEAAABQAAAAAAAAAAAA4D8AAAAAAADgPwAAAAAAAOA/AAAAAAAA4D8AAAAAAADgPwAAAAAAAOA/AAAAAAAA4D8AAAAAAADgPwAAAAAAAOA/AAAAAAAA4D8CAAAAjAAAAAAAAAAAAAAARHLEDP///wgAAAAAAAAAAAAAAAAAAAAAAAAAAAAAAAAAAAAAZAAAAAEAAABAAAAAAAAAAAAAAAAAAAAAAAAAAAAAAAAAAAAAAAAAAAAAAAAAAAAAAAAAAAAAAAAAAAAAAAAAAAAAAAAAAAAAAAAAAAAAAAAAAAAAAAAAAAAAAAAAAAAAFAAAADwAAAAAAAAAAAAAAAAAAAkUAAAAAQAAABQAAAAUAAAAFAAAAAEAAAAAAAAAZAAAAGQAAAAAAAAAZAAAAGQAAAAVAAAAYAAAAAAAAAAAAAAADwAAACADAAAAAAAAAAAAAAEAAACgMgAAVgcAAKr4//8BAAAAf39/AAEAAABkAAAAAAAAABQAAABAHwAAAAAAACYAAAAAAAAAwOD//wAAAAAmAAAAZAAAABYAAABMAAAAAAAAAAAAAAAEAAAAAAAAAAEAAADn5uYKAAAAACgAAAAoAAAAZAAAAGQAAAAAAAAAzMzMAAAAAABQAAAAUAAAAGQAAABkAAAAAAAAABcAAAAUAAAAAAAAAAAAAAD/fwAA/38AAAAAAAAJAAAABAAAAAAAAAAeAAAAaAAAAAAAAAAAAAAAAAAAAAAAAAAAAAAAECcAABAnAAAAAAAAAAAAAAAAAAAAAAAAAAAAAAAAAAAAAAAAAAAAABQAAAAAAAAAwMD/AAAAAABkAAAAMgAAAAAAAABkAAAAAAAAAH9/fwAKAAAAIgAAABgAAAAAAAAAAAAAAAAAAAAAAAAAAAAAAAAAAAAkAAAAJAAAAAAAAAAHAAAAAAAAAAAAAAAAAAAAAAAAAAAAAAAAAAAAf39/ACUAAABYAAAAAAAAAAAAAAAAAAAAAAAAAAAAAAAAAAAAAAAAAAAAAAAAAAAAAAAAAAAAAAA/AAAAAAAAAKCGAQAAAAAAAAAAAAAAAAAMAAAAAQAAAAAAAAAAAAAAAAAAAB8AAABUAAAARHLEBf///wEAAAAAAAAAAAAAAAAAAAAAAAAAAAAAAAAAAAAAAAAAAAAAAAJ/f38A5+bmA8zMzADAwP8Af39/AAAAAAAAAAAAAAAAAAAAAAAAAAAAIQAAABgAAAAUAAAAKAUAADsLAADYRQAAACYAABAAAAAmAAAACAAAAAAAAAAAAAAAMAAAABQAAAAAAAAAAAD//wAAAQAAAP//AAABAA=="/>
               </a:ext>
             </a:extLst>
           </p:cNvSpPr>
@@ -6658,7 +6638,7 @@
             <a:spLocks noGrp="1" noChangeArrowheads="1"/>
             <a:extLst>
               <a:ext uri="smNativeData">
-                <pr:smNativeData xmlns="smNativeData" xmlns:pr="smNativeData" xmlns:p15="http://schemas.microsoft.com/office/powerpoint/2012/main" xmlns:p14="http://schemas.microsoft.com/office/powerpoint/2010/main" xmlns:mc="http://schemas.openxmlformats.org/markup-compatibility/2006" val="SMDATA_16_xzE7ZxMAAAAlAAAAZAAAAA0AAAAAkAAAAEgAAACQAAAASAAAAAAAAAABAAAAAAAAAAEAAABQAAAAAAAAAAAA4D8AAAAAAADgPwAAAAAAAOA/AAAAAAAA4D8AAAAAAADgPwAAAAAAAOA/AAAAAAAA4D8AAAAAAADgPwAAAAAAAOA/AAAAAAAA4D8CAAAAjAAAAAAAAAAAAAAARHLEDP///wgAAAAAAAAAAAAAAAAAAAAAAAAAAAAAAAAAAAAAZAAAAAEAAABAAAAAAAAAAAAAAAAAAAAAAAAAAAAAAAAAAAAAAAAAAAAAAAAAAAAAAAAAAAAAAAAAAAAAAAAAAAAAAAAAAAAAAAAAAAAAAAAAAAAAAAAAAAAAAAAAAAAAFAAAADwAAAAAAAAAAAAAAAAAAAkUAAAAAQAAABQAAAAUAAAAFAAAAAEAAAAAAAAAZAAAAGQAAAAAAAAAZAAAAGQAAAAVAAAAYAAAAAAAAAAAAAAADwAAACADAAAAAAAAAAAAAAEAAACgMgAAVgcAAKr4//8BAAAAf39/AAEAAABkAAAAAAAAABQAAABAHwAAAAAAACYAAAAAAAAAwOD//wAAAAAmAAAAZAAAABYAAABMAAAAAAAAAAAAAAAEAAAAAAAAAAEAAADn5uYKAAAAACgAAAAoAAAAZAAAAGQAAAAAAAAAzMzMAAAAAABQAAAAUAAAAGQAAABkAAAAAAAAABcAAAAUAAAAAAAAAAAAAAD/fwAA/38AAAAAAAAJAAAABAAAAAAAAAAeAAAAaAAAAAAAAAAAAAAAAAAAAAAAAAAAAAAAECcAABAnAAAAAAAAAAAAAAAAAAAAAAAAAAAAAAAAAAAAAAAAAAAAABQAAAAAAAAAwMD/AAAAAABkAAAAMgAAAAAAAABkAAAAAAAAAH9/fwAKAAAAIgAAABgAAAAAAAAAAAAAAAAAAAAAAAAAAAAAAAAAAAAkAAAAJAAAAAAAAAAHAAAAAAAAAAAAAAAAAAAAAAAAAAAAAAAAAAAAf39/ACUAAABYAAAAAAAAAAAAAAAAAAAAAAAAAAAAAAAAAAAAAAAAAAAAAAAAAAAAAAAAAAAAAAA/AAAAAAAAAKCGAQAAAAAAAAAAAAAAAAAMAAAAAQAAAAAAAAAAAAAAAAAAAB8AAABUAAAARHLEBf///wEAAAAAAAAAAAAAAAAAAAAAAAAAAAAAAAAAAAAAAAAAAAAAAAJ/f38A5+bmA8zMzADAwP8Af39/AAAAAAAAAAAAAAAAAAAAAAAAAAAAIQAAABgAAAAUAAAAKAUAAD8CAADYRQAAZwoAABAAAAAmAAAACAAAAAAAAAAAAAAAMAAAABQAAAAAAAAAAAD//wAAAQAAAP//AAABAA=="/>
+                <pr:smNativeData xmlns:mc="http://schemas.openxmlformats.org/markup-compatibility/2006" xmlns:p14="http://schemas.microsoft.com/office/powerpoint/2010/main" xmlns:p15="http://schemas.microsoft.com/office/powerpoint/2012/main" xmlns:pr="smNativeData" xmlns="smNativeData" val="SMDATA_16_xzE7ZxMAAAAlAAAAZAAAAA0AAAAAkAAAAEgAAACQAAAASAAAAAAAAAABAAAAAAAAAAEAAABQAAAAAAAAAAAA4D8AAAAAAADgPwAAAAAAAOA/AAAAAAAA4D8AAAAAAADgPwAAAAAAAOA/AAAAAAAA4D8AAAAAAADgPwAAAAAAAOA/AAAAAAAA4D8CAAAAjAAAAAAAAAAAAAAARHLEDP///wgAAAAAAAAAAAAAAAAAAAAAAAAAAAAAAAAAAAAAZAAAAAEAAABAAAAAAAAAAAAAAAAAAAAAAAAAAAAAAAAAAAAAAAAAAAAAAAAAAAAAAAAAAAAAAAAAAAAAAAAAAAAAAAAAAAAAAAAAAAAAAAAAAAAAAAAAAAAAAAAAAAAAFAAAADwAAAAAAAAAAAAAAAAAAAkUAAAAAQAAABQAAAAUAAAAFAAAAAEAAAAAAAAAZAAAAGQAAAAAAAAAZAAAAGQAAAAVAAAAYAAAAAAAAAAAAAAADwAAACADAAAAAAAAAAAAAAEAAACgMgAAVgcAAKr4//8BAAAAf39/AAEAAABkAAAAAAAAABQAAABAHwAAAAAAACYAAAAAAAAAwOD//wAAAAAmAAAAZAAAABYAAABMAAAAAAAAAAAAAAAEAAAAAAAAAAEAAADn5uYKAAAAACgAAAAoAAAAZAAAAGQAAAAAAAAAzMzMAAAAAABQAAAAUAAAAGQAAABkAAAAAAAAABcAAAAUAAAAAAAAAAAAAAD/fwAA/38AAAAAAAAJAAAABAAAAAAAAAAeAAAAaAAAAAAAAAAAAAAAAAAAAAAAAAAAAAAAECcAABAnAAAAAAAAAAAAAAAAAAAAAAAAAAAAAAAAAAAAAAAAAAAAABQAAAAAAAAAwMD/AAAAAABkAAAAMgAAAAAAAABkAAAAAAAAAH9/fwAKAAAAIgAAABgAAAAAAAAAAAAAAAAAAAAAAAAAAAAAAAAAAAAkAAAAJAAAAAAAAAAHAAAAAAAAAAAAAAAAAAAAAAAAAAAAAAAAAAAAf39/ACUAAABYAAAAAAAAAAAAAAAAAAAAAAAAAAAAAAAAAAAAAAAAAAAAAAAAAAAAAAAAAAAAAAA/AAAAAAAAAKCGAQAAAAAAAAAAAAAAAAAMAAAAAQAAAAAAAAAAAAAAAAAAAB8AAABUAAAARHLEBf///wEAAAAAAAAAAAAAAAAAAAAAAAAAAAAAAAAAAAAAAAAAAAAAAAJ/f38A5+bmA8zMzADAwP8Af39/AAAAAAAAAAAAAAAAAAAAAAAAAAAAIQAAABgAAAAUAAAAKAUAAD8CAADYRQAAZwoAABAAAAAmAAAACAAAAAAAAAAAAAAAMAAAABQAAAAAAAAAAAD//wAAAQAAAP//AAABAA=="/>
               </a:ext>
             </a:extLst>
           </p:cNvSpPr>
@@ -6685,7 +6665,7 @@
             <a:spLocks noGrp="1" noChangeArrowheads="1"/>
             <a:extLst>
               <a:ext uri="smNativeData">
-                <pr:smNativeData xmlns="smNativeData" xmlns:pr="smNativeData" xmlns:p15="http://schemas.microsoft.com/office/powerpoint/2012/main" xmlns:p14="http://schemas.microsoft.com/office/powerpoint/2010/main" xmlns:mc="http://schemas.openxmlformats.org/markup-compatibility/2006" val="SMDATA_16_xzE7ZxMAAAAlAAAAZAAAAA0AAAAAkAAAAEgAAACQAAAASAAAAAAAAAAAAAAAAAAAAAEAAABQAAAAAAAAAAAA4D8AAAAAAADgPwAAAAAAAOA/AAAAAAAA4D8AAAAAAADgPwAAAAAAAOA/AAAAAAAA4D8AAAAAAADgPwAAAAAAAOA/AAAAAAAA4D8CAAAAjAAAAAAAAAAAAAAARHLEDP///wgAAAAAAAAAAAAAAAAAAAAAAAAAAAAAAAAAAAAAZAAAAAEAAABAAAAAAAAAAAAAAAAAAAAAAAAAAAAAAAAAAAAAAAAAAAAAAAAAAAAAAAAAAAAAAAAAAAAAAAAAAAAAAAAAAAAAAAAAAAAAAAAAAAAAAAAAAAAAAAAAAAAAFAAAADwAAAAAAAAAAAAAAAAAAAkUAAAAAQAAABQAAAAUAAAAFAAAAAEAAAAAAAAAZAAAAGQAAAAAAAAAZAAAAGQAAAAVAAAAYAAAAAAAAAAAAAAADwAAACADAAAAAAAAAAAAAAEAAACgMgAAVgcAAKr4//8BAAAAf39/AAEAAABkAAAAAAAAABQAAABAHwAAAAAAACYAAAAAAAAAwOD//wAAAAAmAAAAZAAAABYAAABMAAAAAAAAAAAAAAAEAAAAAAAAAAEAAADn5uYKAAAAACgAAAAoAAAAZAAAAGQAAAAAAAAAzMzMAAAAAABQAAAAUAAAAGQAAABkAAAAAAAAABcAAAAUAAAAAAAAAAAAAAD/fwAA/38AAAAAAAAJAAAABAAAAAAAAAAeAAAAaAAAAAAAAAAAAAAAAAAAAAAAAAAAAAAAECcAABAnAAAAAAAAAAAAAAAAAAAAAAAAAAAAAAAAAAAAAAAAAAAAABQAAAAAAAAAwMD/AAAAAABkAAAAMgAAAAAAAABkAAAAAAAAAH9/fwAKAAAAIgAAABgAAAAAAAAAAAAAAAAAAAAAAAAAAAAAAAAAAAAkAAAAJAAAAAAAAAAHAAAAAAAAAAAAAAAAAAAAAAAAAAAAAAAAAAAAf39/ACUAAABYAAAAAAAAAAAAAAAAAAAAAAAAAAAAAAAAAAAAAAAAAAAAAAAAAAAAAAAAAAAAAAA/AAAAAAAAAKCGAQAAAAAAAAAAAAAAAAAMAAAAAQAAAAAAAAAAAAAAAAAAAB8AAABUAAAARHLEBf///wEAAAAAAAAAAAAAAAAAAAAAAAAAAAAAAAAAAAAAAAAAAAAAAAJ/f38A5+bmA8zMzADAwP8Af39/AAAAAAAAAAAAAAAAAAAAAAAAAAAAIQAAABgAAAAUAAAAKAUAADsLAADYRQAAACYAABAAAAAmAAAACAAAAAAAAAAAAAAAMAAAABQAAAAAAAAAAAD//wAAAQAAAP//AAABAA=="/>
+                <pr:smNativeData xmlns:mc="http://schemas.openxmlformats.org/markup-compatibility/2006" xmlns:p14="http://schemas.microsoft.com/office/powerpoint/2010/main" xmlns:p15="http://schemas.microsoft.com/office/powerpoint/2012/main" xmlns:pr="smNativeData" xmlns="smNativeData" val="SMDATA_16_xzE7ZxMAAAAlAAAAZAAAAA0AAAAAkAAAAEgAAACQAAAASAAAAAAAAAAAAAAAAAAAAAEAAABQAAAAAAAAAAAA4D8AAAAAAADgPwAAAAAAAOA/AAAAAAAA4D8AAAAAAADgPwAAAAAAAOA/AAAAAAAA4D8AAAAAAADgPwAAAAAAAOA/AAAAAAAA4D8CAAAAjAAAAAAAAAAAAAAARHLEDP///wgAAAAAAAAAAAAAAAAAAAAAAAAAAAAAAAAAAAAAZAAAAAEAAABAAAAAAAAAAAAAAAAAAAAAAAAAAAAAAAAAAAAAAAAAAAAAAAAAAAAAAAAAAAAAAAAAAAAAAAAAAAAAAAAAAAAAAAAAAAAAAAAAAAAAAAAAAAAAAAAAAAAAFAAAADwAAAAAAAAAAAAAAAAAAAkUAAAAAQAAABQAAAAUAAAAFAAAAAEAAAAAAAAAZAAAAGQAAAAAAAAAZAAAAGQAAAAVAAAAYAAAAAAAAAAAAAAADwAAACADAAAAAAAAAAAAAAEAAACgMgAAVgcAAKr4//8BAAAAf39/AAEAAABkAAAAAAAAABQAAABAHwAAAAAAACYAAAAAAAAAwOD//wAAAAAmAAAAZAAAABYAAABMAAAAAAAAAAAAAAAEAAAAAAAAAAEAAADn5uYKAAAAACgAAAAoAAAAZAAAAGQAAAAAAAAAzMzMAAAAAABQAAAAUAAAAGQAAABkAAAAAAAAABcAAAAUAAAAAAAAAAAAAAD/fwAA/38AAAAAAAAJAAAABAAAAAAAAAAeAAAAaAAAAAAAAAAAAAAAAAAAAAAAAAAAAAAAECcAABAnAAAAAAAAAAAAAAAAAAAAAAAAAAAAAAAAAAAAAAAAAAAAABQAAAAAAAAAwMD/AAAAAABkAAAAMgAAAAAAAABkAAAAAAAAAH9/fwAKAAAAIgAAABgAAAAAAAAAAAAAAAAAAAAAAAAAAAAAAAAAAAAkAAAAJAAAAAAAAAAHAAAAAAAAAAAAAAAAAAAAAAAAAAAAAAAAAAAAf39/ACUAAABYAAAAAAAAAAAAAAAAAAAAAAAAAAAAAAAAAAAAAAAAAAAAAAAAAAAAAAAAAAAAAAA/AAAAAAAAAKCGAQAAAAAAAAAAAAAAAAAMAAAAAQAAAAAAAAAAAAAAAAAAAB8AAABUAAAARHLEBf///wEAAAAAAAAAAAAAAAAAAAAAAAAAAAAAAAAAAAAAAAAAAAAAAAJ/f38A5+bmA8zMzADAwP8Af39/AAAAAAAAAAAAAAAAAAAAAAAAAAAAIQAAABgAAAAUAAAAKAUAADsLAADYRQAAACYAABAAAAAmAAAACAAAAAAAAAAAAAAAMAAAABQAAAAAAAAAAAD//wAAAQAAAP//AAABAA=="/>
               </a:ext>
             </a:extLst>
           </p:cNvSpPr>
@@ -6712,7 +6692,7 @@
             <a:picLocks noChangeAspect="1"/>
             <a:extLst>
               <a:ext uri="smNativeData">
-                <pr:smNativeData xmlns="smNativeData" xmlns:pr="smNativeData" xmlns:p15="http://schemas.microsoft.com/office/powerpoint/2012/main" xmlns:p14="http://schemas.microsoft.com/office/powerpoint/2010/main" xmlns:mc="http://schemas.openxmlformats.org/markup-compatibility/2006" val="SMDATA_18_xzE7ZxMAAAAlAAAAEQAAAC0AAAAAkAAAAEgAAACQAAAASAAAAAAAAAAAAAAAAAAAAAEAAABQAAAAAAAAAAAA4D8AAAAAAADgPwAAAAAAAOA/AAAAAAAA4D8AAAAAAADgPwAAAAAAAOA/AAAAAAAA4D8AAAAAAADgPwAAAAAAAOA/AAAAAAAA4D8CAAAAjAAAAAAAAAAAAAAARHLEDP///wgAAAAAAAAAAAAAAAAAAAAAAAAAAAAAAAAAAAAAZAAAAAEAAABAAAAAAAAAAAAAAAAAAAAAAAAAAAAAAAAAAAAAAAAAAAAAAAAAAAAAAAAAAAAAAAAAAAAAAAAAAAAAAAAAAAAAAAAAAAAAAAAAAAAAAAAAAAAAAAAAAAAAFAAAADwAAAAAAAAAAAAAAAAAAAkUAAAAAQAAABQAAAAUAAAAFAAAAAEAAAAAAAAAZAAAAGQAAAAAAAAAZAAAAGQAAAAVAAAAYAAAAAAAAAAAAAAADwAAACADAAAAAAAAAAAAAAEAAACgMgAAVgcAAKr4//8BAAAAf39/AAEAAABkAAAAAAAAABQAAABAHwAAAAAAACYAAAAAAAAAwOD//wAAAAAmAAAAZAAAABYAAABMAAAAAAAAAAAAAAAEAAAAAAAAAAEAAADn5uYKAAAAACgAAAAoAAAAZAAAAGQAAAAAAAAAzMzMAAAAAABQAAAAUAAAAGQAAABkAAAAAAAAAAcAAAA4AAAAAAAAAAAAAAAAAAAA////AAAAAAAAAAAAAAAAAAAAAAAAAAAAAAAAAAAAAABkAAAAZAAAAAAAAAAjAAAABAAAAGQAAAAXAAAAFAAAAAAAAAAAAAAA/38AAP9/AAAAAAAACQAAAAQAAAD/////HgAAAGgAAAAAAAAAAAAAAAAAAAAAAAAAAAAAABAnAAAQJwAAAAAAAAAAAAAAAAAAAAAAAAAAAAAAAAAAAAAAAAAAAAAUAAAAAAAAAMDA/wAAAAAAZAAAADIAAAAAAAAAZAAAAAAAAAB/f38ACgAAACIAAAAYAAAAAAAAAAAAAAAAAAAAAAAAAAAAAAAAAAAAJAAAACQAAAAAAAAABwAAAAAAAAAAAAAAAAAAAAAAAAAAAAAAAAAAAH9/fwAlAAAAWAAAAAAAAAAAAAAAAAAAAAAAAAAAAAAAAAAAAAAAAAAAAAAAAAAAAAAAAAAAAAAAPwAAAAAAAACghgEAAAAAAAAAAAAAAAAADAAAAAEAAAAAAAAAAAAAAAAAAAAfAAAAVAAAAERyxAX///8BAAAAAAAAAAAAAAAAAAAAAAAAAAAAAAAAAAAAAAAAAAAAAAACf39/AOfm5gPMzMwAwMD/AH9/fwAAAAAAAAAAAAAAAAD///8AAAAAACEAAAAYAAAAFAAAAAAAAABpDAAAHCQAAPEnAAAQAAAAJgAAAAgAAAD//////////zAAAAAUAAAAAAAAAAAA//8AAAEAAAD//wAAAQA="/>
+                <pr:smNativeData xmlns:mc="http://schemas.openxmlformats.org/markup-compatibility/2006" xmlns:p14="http://schemas.microsoft.com/office/powerpoint/2010/main" xmlns:p15="http://schemas.microsoft.com/office/powerpoint/2012/main" xmlns:pr="smNativeData" xmlns="smNativeData" val="SMDATA_18_xzE7ZxMAAAAlAAAAEQAAAC0AAAAAkAAAAEgAAACQAAAASAAAAAAAAAAAAAAAAAAAAAEAAABQAAAAAAAAAAAA4D8AAAAAAADgPwAAAAAAAOA/AAAAAAAA4D8AAAAAAADgPwAAAAAAAOA/AAAAAAAA4D8AAAAAAADgPwAAAAAAAOA/AAAAAAAA4D8CAAAAjAAAAAAAAAAAAAAARHLEDP///wgAAAAAAAAAAAAAAAAAAAAAAAAAAAAAAAAAAAAAZAAAAAEAAABAAAAAAAAAAAAAAAAAAAAAAAAAAAAAAAAAAAAAAAAAAAAAAAAAAAAAAAAAAAAAAAAAAAAAAAAAAAAAAAAAAAAAAAAAAAAAAAAAAAAAAAAAAAAAAAAAAAAAFAAAADwAAAAAAAAAAAAAAAAAAAkUAAAAAQAAABQAAAAUAAAAFAAAAAEAAAAAAAAAZAAAAGQAAAAAAAAAZAAAAGQAAAAVAAAAYAAAAAAAAAAAAAAADwAAACADAAAAAAAAAAAAAAEAAACgMgAAVgcAAKr4//8BAAAAf39/AAEAAABkAAAAAAAAABQAAABAHwAAAAAAACYAAAAAAAAAwOD//wAAAAAmAAAAZAAAABYAAABMAAAAAAAAAAAAAAAEAAAAAAAAAAEAAADn5uYKAAAAACgAAAAoAAAAZAAAAGQAAAAAAAAAzMzMAAAAAABQAAAAUAAAAGQAAABkAAAAAAAAAAcAAAA4AAAAAAAAAAAAAAAAAAAA////AAAAAAAAAAAAAAAAAAAAAAAAAAAAAAAAAAAAAABkAAAAZAAAAAAAAAAjAAAABAAAAGQAAAAXAAAAFAAAAAAAAAAAAAAA/38AAP9/AAAAAAAACQAAAAQAAAD/////HgAAAGgAAAAAAAAAAAAAAAAAAAAAAAAAAAAAABAnAAAQJwAAAAAAAAAAAAAAAAAAAAAAAAAAAAAAAAAAAAAAAAAAAAAUAAAAAAAAAMDA/wAAAAAAZAAAADIAAAAAAAAAZAAAAAAAAAB/f38ACgAAACIAAAAYAAAAAAAAAAAAAAAAAAAAAAAAAAAAAAAAAAAAJAAAACQAAAAAAAAABwAAAAAAAAAAAAAAAAAAAAAAAAAAAAAAAAAAAH9/fwAlAAAAWAAAAAAAAAAAAAAAAAAAAAAAAAAAAAAAAAAAAAAAAAAAAAAAAAAAAAAAAAAAAAAAPwAAAAAAAACghgEAAAAAAAAAAAAAAAAADAAAAAEAAAAAAAAAAAAAAAAAAAAfAAAAVAAAAERyxAX///8BAAAAAAAAAAAAAAAAAAAAAAAAAAAAAAAAAAAAAAAAAAAAAAACf39/AOfm5gPMzMwAwMD/AH9/fwAAAAAAAAAAAAAAAAD///8AAAAAACEAAAAYAAAAFAAAAAAAAABpDAAAHCQAAPEnAAAQAAAAJgAAAAgAAAD//////////zAAAAAUAAAAAAAAAAAA//8AAAEAAAD//wAAAQA="/>
               </a:ext>
             </a:extLst>
           </p:cNvPicPr>
@@ -6746,7 +6726,7 @@
             <a:picLocks noChangeAspect="1"/>
             <a:extLst>
               <a:ext uri="smNativeData">
-                <pr:smNativeData xmlns="smNativeData" xmlns:pr="smNativeData" xmlns:p15="http://schemas.microsoft.com/office/powerpoint/2012/main" xmlns:p14="http://schemas.microsoft.com/office/powerpoint/2010/main" xmlns:mc="http://schemas.openxmlformats.org/markup-compatibility/2006" val="SMDATA_18_xzE7ZxMAAAAlAAAAEQAAAC0AAAAAkAAAAEgAAACQAAAASAAAAAAAAAAAAAAAAAAAAAEAAABQAAAAAAAAAAAA4D8AAAAAAADgPwAAAAAAAOA/AAAAAAAA4D8AAAAAAADgPwAAAAAAAOA/AAAAAAAA4D8AAAAAAADgPwAAAAAAAOA/AAAAAAAA4D8CAAAAjAAAAAAAAAAAAAAARHLEDP///wgAAAAAAAAAAAAAAAAAAAAAAAAAAAAAAAAAAAAAZAAAAAEAAABAAAAAAAAAAAAAAAAAAAAAAAAAAAAAAAAAAAAAAAAAAAAAAAAAAAAAAAAAAAAAAAAAAAAAAAAAAAAAAAAAAAAAAAAAAAAAAAAAAAAAAAAAAAAAAAAAAAAAFAAAADwAAAAAAAAAAAAAAAAAAAkUAAAAAQAAABQAAAAUAAAAFAAAAAEAAAAAAAAAZAAAAGQAAAAAAAAAZAAAAGQAAAAVAAAAYAAAAAAAAAAAAAAADwAAACADAAAAAAAAAAAAAAEAAACgMgAAVgcAAKr4//8BAAAAf39/AAEAAABkAAAAAAAAABQAAABAHwAAAAAAACYAAAAAAAAAwOD//wAAAAAmAAAAZAAAABYAAABMAAAAAAAAAAAAAAAEAAAAAAAAAAEAAADn5uYKAAAAACgAAAAoAAAAZAAAAGQAAAAAAAAAzMzMAAAAAABQAAAAUAAAAGQAAABkAAAAAAAAAAcAAAA4AAAAAAAAAAAAAAAAAAAA////AAAAAAAAAAAAAAAAAAAAAAAAAAAAAAAAAAAAAABkAAAAZAAAAAAAAAAjAAAABAAAAGQAAAAXAAAAFAAAAAAAAAAAAAAA/38AAP9/AAAAAAAACQAAAAQAAAD/////HgAAAGgAAAAAAAAAAAAAAAAAAAAAAAAAAAAAABAnAAAQJwAAAAAAAAAAAAAAAAAAAAAAAAAAAAAAAAAAAAAAAAAAAAAUAAAAAAAAAMDA/wAAAAAAZAAAADIAAAAAAAAAZAAAAAAAAAB/f38ACgAAACIAAAAYAAAAAAAAAAAAAAAAAAAAAAAAAAAAAAAAAAAAJAAAACQAAAAAAAAABwAAAAAAAAAAAAAAAAAAAAAAAAAAAAAAAAAAAH9/fwAlAAAAWAAAAAAAAAAAAAAAAAAAAAAAAAAAAAAAAAAAAAAAAAAAAAAAAAAAAAAAAAAAAAAAPwAAAAAAAACghgEAAAAAAAAAAAAAAAAADAAAAAEAAAAAAAAAAAAAAAAAAAAfAAAAVAAAAERyxAX///8BAAAAAAAAAAAAAAAAAAAAAAAAAAAAAAAAAAAAAAAAAAAAAAACf39/AOfm5gPMzMwAwMD/AH9/fwAAAAAAAAAAAAAAAAD///8AAAAAACEAAAAYAAAAFAAAABwkAAB7EwAAVEgAAC0nAAAQAAAAJgAAAAgAAAD//////////zAAAAAUAAAAAAAAAAAA//8AAAEAAAD//wAAAQA="/>
+                <pr:smNativeData xmlns:mc="http://schemas.openxmlformats.org/markup-compatibility/2006" xmlns:p14="http://schemas.microsoft.com/office/powerpoint/2010/main" xmlns:p15="http://schemas.microsoft.com/office/powerpoint/2012/main" xmlns:pr="smNativeData" xmlns="smNativeData" val="SMDATA_18_xzE7ZxMAAAAlAAAAEQAAAC0AAAAAkAAAAEgAAACQAAAASAAAAAAAAAAAAAAAAAAAAAEAAABQAAAAAAAAAAAA4D8AAAAAAADgPwAAAAAAAOA/AAAAAAAA4D8AAAAAAADgPwAAAAAAAOA/AAAAAAAA4D8AAAAAAADgPwAAAAAAAOA/AAAAAAAA4D8CAAAAjAAAAAAAAAAAAAAARHLEDP///wgAAAAAAAAAAAAAAAAAAAAAAAAAAAAAAAAAAAAAZAAAAAEAAABAAAAAAAAAAAAAAAAAAAAAAAAAAAAAAAAAAAAAAAAAAAAAAAAAAAAAAAAAAAAAAAAAAAAAAAAAAAAAAAAAAAAAAAAAAAAAAAAAAAAAAAAAAAAAAAAAAAAAFAAAADwAAAAAAAAAAAAAAAAAAAkUAAAAAQAAABQAAAAUAAAAFAAAAAEAAAAAAAAAZAAAAGQAAAAAAAAAZAAAAGQAAAAVAAAAYAAAAAAAAAAAAAAADwAAACADAAAAAAAAAAAAAAEAAACgMgAAVgcAAKr4//8BAAAAf39/AAEAAABkAAAAAAAAABQAAABAHwAAAAAAACYAAAAAAAAAwOD//wAAAAAmAAAAZAAAABYAAABMAAAAAAAAAAAAAAAEAAAAAAAAAAEAAADn5uYKAAAAACgAAAAoAAAAZAAAAGQAAAAAAAAAzMzMAAAAAABQAAAAUAAAAGQAAABkAAAAAAAAAAcAAAA4AAAAAAAAAAAAAAAAAAAA////AAAAAAAAAAAAAAAAAAAAAAAAAAAAAAAAAAAAAABkAAAAZAAAAAAAAAAjAAAABAAAAGQAAAAXAAAAFAAAAAAAAAAAAAAA/38AAP9/AAAAAAAACQAAAAQAAAD/////HgAAAGgAAAAAAAAAAAAAAAAAAAAAAAAAAAAAABAnAAAQJwAAAAAAAAAAAAAAAAAAAAAAAAAAAAAAAAAAAAAAAAAAAAAUAAAAAAAAAMDA/wAAAAAAZAAAADIAAAAAAAAAZAAAAAAAAAB/f38ACgAAACIAAAAYAAAAAAAAAAAAAAAAAAAAAAAAAAAAAAAAAAAAJAAAACQAAAAAAAAABwAAAAAAAAAAAAAAAAAAAAAAAAAAAAAAAAAAAH9/fwAlAAAAWAAAAAAAAAAAAAAAAAAAAAAAAAAAAAAAAAAAAAAAAAAAAAAAAAAAAAAAAAAAAAAAPwAAAAAAAACghgEAAAAAAAAAAAAAAAAADAAAAAEAAAAAAAAAAAAAAAAAAAAfAAAAVAAAAERyxAX///8BAAAAAAAAAAAAAAAAAAAAAAAAAAAAAAAAAAAAAAAAAAAAAAACf39/AOfm5gPMzMwAwMD/AH9/fwAAAAAAAAAAAAAAAAD///8AAAAAACEAAAAYAAAAFAAAABwkAAB7EwAAVEgAAC0nAAAQAAAAJgAAAAgAAAD//////////zAAAAAUAAAAAAAAAAAA//8AAAEAAAD//wAAAQA="/>
               </a:ext>
             </a:extLst>
           </p:cNvPicPr>

--- a/plots.pptx
+++ b/plots.pptx
@@ -915,8 +915,8 @@
         </p:nvSpPr>
         <p:spPr>
           <a:xfrm>
-            <a:off x="381000" y="685800"/>
-            <a:ext cx="6096000" cy="3429000"/>
+            <a:off x="1143000" y="685800"/>
+            <a:ext cx="4572000" cy="3429000"/>
           </a:xfrm>
           <a:prstGeom prst="rect">
             <a:avLst/>
@@ -5191,7 +5191,7 @@
         </p:blipFill>
         <p:spPr>
           <a:xfrm>
-            <a:off x="219710" y="4937125"/>
+            <a:off x="953770" y="3757295"/>
             <a:ext cx="2879725" cy="1649730"/>
           </a:xfrm>
           <a:prstGeom prst="rect">
@@ -5225,8 +5225,8 @@
         </p:blipFill>
         <p:spPr>
           <a:xfrm>
-            <a:off x="451484" y="938190"/>
-            <a:ext cx="6031815" cy="2603661"/>
+            <a:off x="951230" y="271145"/>
+            <a:ext cx="5295900" cy="2286000"/>
           </a:xfrm>
           <a:prstGeom prst="rect">
             <a:avLst/>
@@ -5259,8 +5259,8 @@
         </p:blipFill>
         <p:spPr>
           <a:xfrm>
-            <a:off x="250137" y="3893149"/>
-            <a:ext cx="1402186" cy="1026373"/>
+            <a:off x="928370" y="2931795"/>
+            <a:ext cx="845820" cy="619125"/>
           </a:xfrm>
           <a:prstGeom prst="rect">
             <a:avLst/>
@@ -5293,8 +5293,8 @@
         </p:blipFill>
         <p:spPr>
           <a:xfrm>
-            <a:off x="1315178" y="3925001"/>
-            <a:ext cx="1125330" cy="943212"/>
+            <a:off x="1838960" y="2919095"/>
+            <a:ext cx="678815" cy="568960"/>
           </a:xfrm>
           <a:prstGeom prst="rect">
             <a:avLst/>
@@ -5327,8 +5327,8 @@
         </p:blipFill>
         <p:spPr>
           <a:xfrm>
-            <a:off x="2183130" y="3809757"/>
-            <a:ext cx="1267228" cy="997496"/>
+            <a:off x="2625090" y="2748915"/>
+            <a:ext cx="948690" cy="746760"/>
           </a:xfrm>
           <a:prstGeom prst="rect">
             <a:avLst/>
@@ -5361,8 +5361,8 @@
         </p:blipFill>
         <p:spPr>
           <a:xfrm>
-            <a:off x="3209845" y="3753166"/>
-            <a:ext cx="1109461" cy="1005131"/>
+            <a:off x="3590925" y="2713355"/>
+            <a:ext cx="830580" cy="752475"/>
           </a:xfrm>
           <a:prstGeom prst="rect">
             <a:avLst/>
@@ -5395,8 +5395,8 @@
         </p:blipFill>
         <p:spPr>
           <a:xfrm>
-            <a:off x="4258426" y="3975001"/>
-            <a:ext cx="1095889" cy="802407"/>
+            <a:off x="4396105" y="2850515"/>
+            <a:ext cx="820420" cy="600710"/>
           </a:xfrm>
           <a:prstGeom prst="rect">
             <a:avLst/>
@@ -5429,8 +5429,8 @@
         </p:blipFill>
         <p:spPr>
           <a:xfrm>
-            <a:off x="5321250" y="3875902"/>
-            <a:ext cx="1162050" cy="849908"/>
+            <a:off x="5238750" y="2839720"/>
+            <a:ext cx="869950" cy="636270"/>
           </a:xfrm>
           <a:prstGeom prst="rect">
             <a:avLst/>
@@ -5463,8 +5463,8 @@
         </p:blipFill>
         <p:spPr>
           <a:xfrm>
-            <a:off x="3276039" y="4844047"/>
-            <a:ext cx="3303425" cy="1798955"/>
+            <a:off x="3944620" y="3981450"/>
+            <a:ext cx="2749550" cy="1497330"/>
           </a:xfrm>
           <a:prstGeom prst="rect">
             <a:avLst/>
@@ -5481,6 +5481,13 @@
   <p:clrMapOvr>
     <a:masterClrMapping/>
   </p:clrMapOvr>
+  <p:timing>
+    <p:tnLst>
+      <p:par>
+        <p:cTn id="1" dur="indefinite" restart="never" nodeType="tmRoot"/>
+      </p:par>
+    </p:tnLst>
+  </p:timing>
 </p:sld>
 </file>
 
@@ -5557,13 +5564,7 @@
       </p:sp>
       <p:pic>
         <p:nvPicPr>
-          <p:cNvPr id="6" name="Рисунок 5">
-            <a:extLst>
-              <a:ext uri="{FF2B5EF4-FFF2-40B4-BE49-F238E27FC236}">
-                <a16:creationId xmlns:a16="http://schemas.microsoft.com/office/drawing/2014/main" id="{4AE4AEF5-707E-74EE-FDC9-F919492F4154}"/>
-              </a:ext>
-            </a:extLst>
-          </p:cNvPr>
+          <p:cNvPr id="5" name="Рисунок 4"/>
           <p:cNvPicPr>
             <a:picLocks noChangeAspect="1"/>
           </p:cNvPicPr>
@@ -5577,8 +5578,8 @@
         </p:blipFill>
         <p:spPr>
           <a:xfrm>
-            <a:off x="838200" y="728980"/>
-            <a:ext cx="5105400" cy="5448300"/>
+            <a:off x="380290" y="600501"/>
+            <a:ext cx="5941374" cy="6109861"/>
           </a:xfrm>
           <a:prstGeom prst="rect">
             <a:avLst/>
@@ -5590,6 +5591,13 @@
   <p:clrMapOvr>
     <a:masterClrMapping/>
   </p:clrMapOvr>
+  <p:timing>
+    <p:tnLst>
+      <p:par>
+        <p:cTn id="1" dur="indefinite" restart="never" nodeType="tmRoot"/>
+      </p:par>
+    </p:tnLst>
+  </p:timing>
 </p:sld>
 </file>
 
@@ -5771,6 +5779,13 @@
   <p:clrMapOvr>
     <a:masterClrMapping/>
   </p:clrMapOvr>
+  <p:timing>
+    <p:tnLst>
+      <p:par>
+        <p:cTn id="1" dur="indefinite" restart="never" nodeType="tmRoot"/>
+      </p:par>
+    </p:tnLst>
+  </p:timing>
 </p:sld>
 </file>
 
@@ -5808,8 +5823,8 @@
         </p:nvSpPr>
         <p:spPr>
           <a:xfrm>
-            <a:off x="0" y="55245"/>
-            <a:ext cx="10515600" cy="625475"/>
+            <a:off x="838200" y="365125"/>
+            <a:ext cx="10515600" cy="974148"/>
           </a:xfrm>
         </p:spPr>
         <p:txBody>
@@ -5821,15 +5836,7 @@
             </a:pPr>
             <a:r>
               <a:rPr lang="en-US" dirty="0"/>
-              <a:t>S</a:t>
-            </a:r>
-            <a:r>
-              <a:rPr dirty="0"/>
-              <a:t>t</a:t>
-            </a:r>
-            <a:r>
-              <a:rPr lang="en-US" dirty="0" err="1"/>
-              <a:t>andart_ch</a:t>
+              <a:t>standard chronology</a:t>
             </a:r>
             <a:endParaRPr dirty="0"/>
           </a:p>
@@ -5864,15 +5871,14 @@
       </p:sp>
       <p:pic>
         <p:nvPicPr>
-          <p:cNvPr id="7" name="Рисунок 6">
-            <a:extLst>
-              <a:ext uri="{FF2B5EF4-FFF2-40B4-BE49-F238E27FC236}">
-                <a16:creationId xmlns:a16="http://schemas.microsoft.com/office/drawing/2014/main" id="{ACF3BADA-B563-0893-6407-5D1DDDE50679}"/>
-              </a:ext>
-            </a:extLst>
-          </p:cNvPr>
+          <p:cNvPr id="4" name="Рисунок 10"/>
           <p:cNvPicPr>
             <a:picLocks noChangeAspect="1"/>
+            <a:extLst>
+              <a:ext uri="smNativeData">
+                <pr:smNativeData xmlns:mc="http://schemas.openxmlformats.org/markup-compatibility/2006" xmlns:p14="http://schemas.microsoft.com/office/powerpoint/2010/main" xmlns:p15="http://schemas.microsoft.com/office/powerpoint/2012/main" xmlns:pr="smNativeData" xmlns="smNativeData" val="SMDATA_18_xzE7ZxMAAAAlAAAAEQAAAC0AAAAAkAAAAEgAAACQAAAASAAAAAAAAAAAAAAAAAAAAAEAAABQAAAAAAAAAAAA4D8AAAAAAADgPwAAAAAAAOA/AAAAAAAA4D8AAAAAAADgPwAAAAAAAOA/AAAAAAAA4D8AAAAAAADgPwAAAAAAAOA/AAAAAAAA4D8CAAAAjAAAAAAAAAAAAAAARHLEDP///wgAAAAAAAAAAAAAAAAAAAAAAAAAAAAAAAAAAAAAZAAAAAEAAABAAAAAAAAAAAAAAAAAAAAAAAAAAAAAAAAAAAAAAAAAAAAAAAAAAAAAAAAAAAAAAAAAAAAAAAAAAAAAAAAAAAAAAAAAAAAAAAAAAAAAAAAAAAAAAAAAAAAAFAAAADwAAAAAAAAAAAAAAAAAAAkUAAAAAQAAABQAAAAUAAAAFAAAAAEAAAAAAAAAZAAAAGQAAAAAAAAAZAAAAGQAAAAVAAAAYAAAAAAAAAAAAAAADwAAACADAAAAAAAAAAAAAAEAAACgMgAAVgcAAKr4//8BAAAAf39/AAEAAABkAAAAAAAAABQAAABAHwAAAAAAACYAAAAAAAAAwOD//wAAAAAmAAAAZAAAABYAAABMAAAAAAAAAAAAAAAEAAAAAAAAAAEAAADn5uYKAAAAACgAAAAoAAAAZAAAAGQAAAAAAAAAzMzMAAAAAABQAAAAUAAAAGQAAABkAAAAAAAAAAcAAAA4AAAAAAAAAAAAAAAAAAAA////AAAAAAAAAAAAAAAAAAAAAAAAAAAAAAAAAAAAAABkAAAAZAAAAAAAAAAjAAAABAAAAGQAAAAXAAAAFAAAAAAAAAAAAAAA/38AAP9/AAAAAAAACQAAAAQAAAD/////HgAAAGgAAAAAAAAAAAAAAAAAAAAAAAAAAAAAABAnAAAQJwAAAAAAAAAAAAAAAAAAAAAAAAAAAAAAAAAAAAAAAAAAAAAUAAAAAAAAAMDA/wAAAAAAZAAAADIAAAAAAAAAZAAAAAAAAAB/f38ACgAAACIAAAAYAAAAAAAAAAAAAAAAAAAAAAAAAAAAAAAAAAAAJAAAACQAAAAAAAAABwAAAAAAAAAAAAAAAAAAAAAAAAAAAAAAAAAAAH9/fwAlAAAAWAAAAAAAAAAAAAAAAAAAAAAAAAAAAAAAAAAAAAAAAAAAAAAAAAAAAAAAAAAAAAAAPwAAAAAAAACghgEAAAAAAAAAAAAAAAAADAAAAAEAAAAAAAAAAAAAAAAAAAAfAAAAVAAAAERyxAX///8BAAAAAAAAAAAAAAAAAAAAAAAAAAAAAAAAAAAAAAAAAAAAAAACf39/AOfm5gPMzMwAwMD/AH9/fwAAAAAAAAAAAAAAAAD///8AAAAAACEAAAAYAAAAFAAAAEEEAADAEQAAgCUAAPEnAAAQAAAAJgAAAAgAAAD//////////zAAAAAUAAAAAAAAAAAA//8AAAEAAAD//wAAAQA="/>
+              </a:ext>
+            </a:extLst>
           </p:cNvPicPr>
           <p:nvPr/>
         </p:nvPicPr>
@@ -5884,25 +5890,29 @@
         </p:blipFill>
         <p:spPr>
           <a:xfrm>
-            <a:off x="6558266" y="3072384"/>
-            <a:ext cx="4942219" cy="3370961"/>
+            <a:off x="691515" y="2885440"/>
+            <a:ext cx="5404485" cy="3607435"/>
           </a:xfrm>
           <a:prstGeom prst="rect">
             <a:avLst/>
           </a:prstGeom>
+          <a:noFill/>
+          <a:ln>
+            <a:noFill/>
+          </a:ln>
+          <a:effectLst/>
         </p:spPr>
       </p:pic>
       <p:pic>
         <p:nvPicPr>
-          <p:cNvPr id="9" name="Рисунок 8">
-            <a:extLst>
-              <a:ext uri="{FF2B5EF4-FFF2-40B4-BE49-F238E27FC236}">
-                <a16:creationId xmlns:a16="http://schemas.microsoft.com/office/drawing/2014/main" id="{13050353-3C39-4DCB-80C5-2FDF9E6104F2}"/>
-              </a:ext>
-            </a:extLst>
-          </p:cNvPr>
+          <p:cNvPr id="5" name="Рисунок 12"/>
           <p:cNvPicPr>
             <a:picLocks noChangeAspect="1"/>
+            <a:extLst>
+              <a:ext uri="smNativeData">
+                <pr:smNativeData xmlns:mc="http://schemas.openxmlformats.org/markup-compatibility/2006" xmlns:p14="http://schemas.microsoft.com/office/powerpoint/2010/main" xmlns:p15="http://schemas.microsoft.com/office/powerpoint/2012/main" xmlns:pr="smNativeData" xmlns="smNativeData" val="SMDATA_18_xzE7ZxMAAAAlAAAAEQAAAC0AAAAAkAAAAEgAAACQAAAASAAAAAAAAAAAAAAAAAAAAAEAAABQAAAAAAAAAAAA4D8AAAAAAADgPwAAAAAAAOA/AAAAAAAA4D8AAAAAAADgPwAAAAAAAOA/AAAAAAAA4D8AAAAAAADgPwAAAAAAAOA/AAAAAAAA4D8CAAAAjAAAAAAAAAAAAAAARHLEDP///wgAAAAAAAAAAAAAAAAAAAAAAAAAAAAAAAAAAAAAZAAAAAEAAABAAAAAAAAAAAAAAAAAAAAAAAAAAAAAAAAAAAAAAAAAAAAAAAAAAAAAAAAAAAAAAAAAAAAAAAAAAAAAAAAAAAAAAAAAAAAAAAAAAAAAAAAAAAAAAAAAAAAAFAAAADwAAAAAAAAAAAAAAAAAAAkUAAAAAQAAABQAAAAUAAAAFAAAAAEAAAAAAAAAZAAAAGQAAAAAAAAAZAAAAGQAAAAVAAAAYAAAAAAAAAAAAAAADwAAACADAAAAAAAAAAAAAAEAAACgMgAAVgcAAKr4//8BAAAAf39/AAEAAABkAAAAAAAAABQAAABAHwAAAAAAACYAAAAAAAAAwOD//wAAAAAmAAAAZAAAABYAAABMAAAAAAAAAAAAAAAEAAAAAAAAAAEAAADn5uYKAAAAACgAAAAoAAAAZAAAAGQAAAAAAAAAzMzMAAAAAABQAAAAUAAAAGQAAABkAAAAAAAAAAcAAAA4AAAAAAAAAAAAAAAAAAAA////AAAAAAAAAAAAAAAAAAAAAAAAAAAAAAAAAAAAAABkAAAAZAAAAAAAAAAjAAAABAAAAGQAAAAXAAAAFAAAAAAAAAAAAAAA/38AAP9/AAAAAAAACQAAAAQAAAD/////HgAAAGgAAAAAAAAAAAAAAAAAAAAAAAAAAAAAABAnAAAQJwAAAAAAAAAAAAAAAAAAAAAAAAAAAAAAAAAAAAAAAAAAAAAUAAAAAAAAAMDA/wAAAAAAZAAAADIAAAAAAAAAZAAAAAAAAAB/f38ACgAAACIAAAAYAAAAAAAAAAAAAAAAAAAAAAAAAAAAAAAAAAAAJAAAACQAAAAAAAAABwAAAAAAAAAAAAAAAAAAAAAAAAAAAAAAAAAAAH9/fwAlAAAAWAAAAAAAAAAAAAAAAAAAAAAAAAAAAAAAAAAAAAAAAAAAAAAAAAAAAAAAAAAAAAAAPwAAAAAAAACghgEAAAAAAAAAAAAAAAAADAAAAAEAAAAAAAAAAAAAAAAAAAAfAAAAVAAAAERyxAX///8BAAAAAAAAAAAAAAAAAAAAAAAAAAAAAAAAAAAAAAAAAAAAAAACf39/AOfm5gPMzMwAwMD/AH9/fwAAAAAAAAAAAAAAAAD///8AAAAAACEAAAAYAAAAFAAAAAImAADsEAAAJUgAAPEnAAAQAAAAJgAAAAgAAAD//////////zAAAAAUAAAAAAAAAAAA//8AAAEAAAD//wAAAQA="/>
+              </a:ext>
+            </a:extLst>
           </p:cNvPicPr>
           <p:nvPr/>
         </p:nvPicPr>
@@ -5914,12 +5924,17 @@
         </p:blipFill>
         <p:spPr>
           <a:xfrm>
-            <a:off x="314896" y="2889504"/>
-            <a:ext cx="5538893" cy="3745992"/>
+            <a:off x="6178550" y="2750820"/>
+            <a:ext cx="5549265" cy="3742055"/>
           </a:xfrm>
           <a:prstGeom prst="rect">
             <a:avLst/>
           </a:prstGeom>
+          <a:noFill/>
+          <a:ln>
+            <a:noFill/>
+          </a:ln>
+          <a:effectLst/>
         </p:spPr>
       </p:pic>
     </p:spTree>
@@ -5927,6 +5942,13 @@
   <p:clrMapOvr>
     <a:masterClrMapping/>
   </p:clrMapOvr>
+  <p:timing>
+    <p:tnLst>
+      <p:par>
+        <p:cTn id="1" dur="indefinite" restart="never" nodeType="tmRoot"/>
+      </p:par>
+    </p:tnLst>
+  </p:timing>
 </p:sld>
 </file>
 
@@ -6003,13 +6025,7 @@
       </p:sp>
       <p:pic>
         <p:nvPicPr>
-          <p:cNvPr id="7" name="Рисунок 6">
-            <a:extLst>
-              <a:ext uri="{FF2B5EF4-FFF2-40B4-BE49-F238E27FC236}">
-                <a16:creationId xmlns:a16="http://schemas.microsoft.com/office/drawing/2014/main" id="{190FD3DA-B3BC-1228-3872-409CDF467F1A}"/>
-              </a:ext>
-            </a:extLst>
-          </p:cNvPr>
+          <p:cNvPr id="6" name="Рисунок 5"/>
           <p:cNvPicPr>
             <a:picLocks noChangeAspect="1"/>
           </p:cNvPicPr>
@@ -6023,8 +6039,8 @@
         </p:blipFill>
         <p:spPr>
           <a:xfrm>
-            <a:off x="398145" y="663575"/>
-            <a:ext cx="4629150" cy="5829300"/>
+            <a:off x="276226" y="521137"/>
+            <a:ext cx="4942840" cy="6107765"/>
           </a:xfrm>
           <a:prstGeom prst="rect">
             <a:avLst/>
@@ -6033,13 +6049,7 @@
       </p:pic>
       <p:pic>
         <p:nvPicPr>
-          <p:cNvPr id="9" name="Рисунок 8">
-            <a:extLst>
-              <a:ext uri="{FF2B5EF4-FFF2-40B4-BE49-F238E27FC236}">
-                <a16:creationId xmlns:a16="http://schemas.microsoft.com/office/drawing/2014/main" id="{5CE5490A-7FA4-CCBF-E2EA-0599F031155A}"/>
-              </a:ext>
-            </a:extLst>
-          </p:cNvPr>
+          <p:cNvPr id="7" name="Рисунок 6"/>
           <p:cNvPicPr>
             <a:picLocks noChangeAspect="1"/>
           </p:cNvPicPr>
@@ -6053,8 +6063,8 @@
         </p:blipFill>
         <p:spPr>
           <a:xfrm>
-            <a:off x="5467350" y="711200"/>
-            <a:ext cx="4581525" cy="5781675"/>
+            <a:off x="5899672" y="565443"/>
+            <a:ext cx="4868412" cy="6063459"/>
           </a:xfrm>
           <a:prstGeom prst="rect">
             <a:avLst/>
@@ -6066,6 +6076,13 @@
   <p:clrMapOvr>
     <a:masterClrMapping/>
   </p:clrMapOvr>
+  <p:timing>
+    <p:tnLst>
+      <p:par>
+        <p:cTn id="1" dur="indefinite" restart="never" nodeType="tmRoot"/>
+      </p:par>
+    </p:tnLst>
+  </p:timing>
 </p:sld>
 </file>
 
@@ -6140,11 +6157,66 @@
           </a:p>
         </p:txBody>
       </p:sp>
+      <p:pic>
+        <p:nvPicPr>
+          <p:cNvPr id="4" name="Рисунок 3"/>
+          <p:cNvPicPr>
+            <a:picLocks noChangeAspect="1"/>
+          </p:cNvPicPr>
+          <p:nvPr/>
+        </p:nvPicPr>
+        <p:blipFill>
+          <a:blip r:embed="rId2"/>
+          <a:stretch>
+            <a:fillRect/>
+          </a:stretch>
+        </p:blipFill>
+        <p:spPr>
+          <a:xfrm>
+            <a:off x="120073" y="2392217"/>
+            <a:ext cx="5560006" cy="4160693"/>
+          </a:xfrm>
+          <a:prstGeom prst="rect">
+            <a:avLst/>
+          </a:prstGeom>
+        </p:spPr>
+      </p:pic>
+      <p:pic>
+        <p:nvPicPr>
+          <p:cNvPr id="5" name="Рисунок 4"/>
+          <p:cNvPicPr>
+            <a:picLocks noChangeAspect="1"/>
+          </p:cNvPicPr>
+          <p:nvPr/>
+        </p:nvPicPr>
+        <p:blipFill>
+          <a:blip r:embed="rId3"/>
+          <a:stretch>
+            <a:fillRect/>
+          </a:stretch>
+        </p:blipFill>
+        <p:spPr>
+          <a:xfrm>
+            <a:off x="5824009" y="3261962"/>
+            <a:ext cx="5938019" cy="3103133"/>
+          </a:xfrm>
+          <a:prstGeom prst="rect">
+            <a:avLst/>
+          </a:prstGeom>
+        </p:spPr>
+      </p:pic>
     </p:spTree>
   </p:cSld>
   <p:clrMapOvr>
     <a:masterClrMapping/>
   </p:clrMapOvr>
+  <p:timing>
+    <p:tnLst>
+      <p:par>
+        <p:cTn id="1" dur="indefinite" restart="never" nodeType="tmRoot"/>
+      </p:par>
+    </p:tnLst>
+  </p:timing>
 </p:sld>
 </file>
 
@@ -6233,13 +6305,7 @@
       </p:sp>
       <p:pic>
         <p:nvPicPr>
-          <p:cNvPr id="6" name="Рисунок 5">
-            <a:extLst>
-              <a:ext uri="{FF2B5EF4-FFF2-40B4-BE49-F238E27FC236}">
-                <a16:creationId xmlns:a16="http://schemas.microsoft.com/office/drawing/2014/main" id="{9BD78120-32BC-8819-A22D-34D5E6AFF7B7}"/>
-              </a:ext>
-            </a:extLst>
-          </p:cNvPr>
+          <p:cNvPr id="6" name="Рисунок 5"/>
           <p:cNvPicPr>
             <a:picLocks noChangeAspect="1"/>
           </p:cNvPicPr>
@@ -6253,8 +6319,8 @@
         </p:blipFill>
         <p:spPr>
           <a:xfrm>
-            <a:off x="205359" y="863600"/>
-            <a:ext cx="5124450" cy="5629275"/>
+            <a:off x="232010" y="493224"/>
+            <a:ext cx="6093299" cy="6220622"/>
           </a:xfrm>
           <a:prstGeom prst="rect">
             <a:avLst/>
@@ -6266,6 +6332,13 @@
   <p:clrMapOvr>
     <a:masterClrMapping/>
   </p:clrMapOvr>
+  <p:timing>
+    <p:tnLst>
+      <p:par>
+        <p:cTn id="1" dur="indefinite" restart="never" nodeType="tmRoot"/>
+      </p:par>
+    </p:tnLst>
+  </p:timing>
 </p:sld>
 </file>
 
@@ -6311,15 +6384,7 @@
             </a:pPr>
             <a:r>
               <a:rPr lang="en-US" dirty="0"/>
-              <a:t>R</a:t>
-            </a:r>
-            <a:r>
-              <a:rPr dirty="0" err="1"/>
-              <a:t>es</a:t>
-            </a:r>
-            <a:r>
-              <a:rPr lang="en-US" dirty="0" err="1"/>
-              <a:t>idual_ch</a:t>
+              <a:t>residual chronology</a:t>
             </a:r>
             <a:endParaRPr dirty="0"/>
           </a:p>
@@ -6348,19 +6413,13 @@
             <a:pPr>
               <a:defRPr lang="ru-ru"/>
             </a:pPr>
-            <a:endParaRPr/>
+            <a:endParaRPr dirty="0"/>
           </a:p>
         </p:txBody>
       </p:sp>
       <p:pic>
         <p:nvPicPr>
-          <p:cNvPr id="7" name="Рисунок 6">
-            <a:extLst>
-              <a:ext uri="{FF2B5EF4-FFF2-40B4-BE49-F238E27FC236}">
-                <a16:creationId xmlns:a16="http://schemas.microsoft.com/office/drawing/2014/main" id="{5C1B018C-6425-B817-87C7-299F22D5BD03}"/>
-              </a:ext>
-            </a:extLst>
-          </p:cNvPr>
+          <p:cNvPr id="6" name="Рисунок 5"/>
           <p:cNvPicPr>
             <a:picLocks noChangeAspect="1"/>
           </p:cNvPicPr>
@@ -6374,8 +6433,8 @@
         </p:blipFill>
         <p:spPr>
           <a:xfrm>
-            <a:off x="295275" y="1691005"/>
-            <a:ext cx="5372421" cy="3691255"/>
+            <a:off x="191080" y="2756848"/>
+            <a:ext cx="5765631" cy="3731312"/>
           </a:xfrm>
           <a:prstGeom prst="rect">
             <a:avLst/>
@@ -6384,13 +6443,7 @@
       </p:pic>
       <p:pic>
         <p:nvPicPr>
-          <p:cNvPr id="9" name="Рисунок 8">
-            <a:extLst>
-              <a:ext uri="{FF2B5EF4-FFF2-40B4-BE49-F238E27FC236}">
-                <a16:creationId xmlns:a16="http://schemas.microsoft.com/office/drawing/2014/main" id="{B22126BC-62CF-B5DE-3A41-DEEE3CBB5FF4}"/>
-              </a:ext>
-            </a:extLst>
-          </p:cNvPr>
+          <p:cNvPr id="8" name="Рисунок 7"/>
           <p:cNvPicPr>
             <a:picLocks noChangeAspect="1"/>
           </p:cNvPicPr>
@@ -6404,8 +6457,8 @@
         </p:blipFill>
         <p:spPr>
           <a:xfrm>
-            <a:off x="5993359" y="1602740"/>
-            <a:ext cx="5903366" cy="4026535"/>
+            <a:off x="6437296" y="2835628"/>
+            <a:ext cx="5563624" cy="3652532"/>
           </a:xfrm>
           <a:prstGeom prst="rect">
             <a:avLst/>
@@ -6417,6 +6470,13 @@
   <p:clrMapOvr>
     <a:masterClrMapping/>
   </p:clrMapOvr>
+  <p:timing>
+    <p:tnLst>
+      <p:par>
+        <p:cTn id="1" dur="indefinite" restart="never" nodeType="tmRoot"/>
+      </p:par>
+    </p:tnLst>
+  </p:timing>
 </p:sld>
 </file>
 
@@ -6493,13 +6553,7 @@
       </p:sp>
       <p:pic>
         <p:nvPicPr>
-          <p:cNvPr id="7" name="Рисунок 6">
-            <a:extLst>
-              <a:ext uri="{FF2B5EF4-FFF2-40B4-BE49-F238E27FC236}">
-                <a16:creationId xmlns:a16="http://schemas.microsoft.com/office/drawing/2014/main" id="{F6CFC4C8-1DF1-17D1-5C6C-2769509BF111}"/>
-              </a:ext>
-            </a:extLst>
-          </p:cNvPr>
+          <p:cNvPr id="6" name="Рисунок 5"/>
           <p:cNvPicPr>
             <a:picLocks noChangeAspect="1"/>
           </p:cNvPicPr>
@@ -6513,8 +6567,8 @@
         </p:blipFill>
         <p:spPr>
           <a:xfrm>
-            <a:off x="5913120" y="763524"/>
-            <a:ext cx="4572000" cy="5772150"/>
+            <a:off x="195210" y="539638"/>
+            <a:ext cx="5031883" cy="6171791"/>
           </a:xfrm>
           <a:prstGeom prst="rect">
             <a:avLst/>
@@ -6523,13 +6577,7 @@
       </p:pic>
       <p:pic>
         <p:nvPicPr>
-          <p:cNvPr id="9" name="Рисунок 8">
-            <a:extLst>
-              <a:ext uri="{FF2B5EF4-FFF2-40B4-BE49-F238E27FC236}">
-                <a16:creationId xmlns:a16="http://schemas.microsoft.com/office/drawing/2014/main" id="{612FA11A-D336-5A2C-2CF2-F429056F3F8A}"/>
-              </a:ext>
-            </a:extLst>
-          </p:cNvPr>
+          <p:cNvPr id="7" name="Рисунок 6"/>
           <p:cNvPicPr>
             <a:picLocks noChangeAspect="1"/>
           </p:cNvPicPr>
@@ -6543,8 +6591,8 @@
         </p:blipFill>
         <p:spPr>
           <a:xfrm>
-            <a:off x="838200" y="734949"/>
-            <a:ext cx="4600575" cy="5800725"/>
+            <a:off x="5536088" y="689834"/>
+            <a:ext cx="4959042" cy="6168166"/>
           </a:xfrm>
           <a:prstGeom prst="rect">
             <a:avLst/>
@@ -6556,6 +6604,13 @@
   <p:clrMapOvr>
     <a:masterClrMapping/>
   </p:clrMapOvr>
+  <p:timing>
+    <p:tnLst>
+      <p:par>
+        <p:cTn id="1" dur="indefinite" restart="never" nodeType="tmRoot"/>
+      </p:par>
+    </p:tnLst>
+  </p:timing>
 </p:sld>
 </file>
 
@@ -6703,6 +6758,13 @@
   <p:clrMapOvr>
     <a:masterClrMapping/>
   </p:clrMapOvr>
+  <p:timing>
+    <p:tnLst>
+      <p:par>
+        <p:cTn id="1" dur="indefinite" restart="never" nodeType="tmRoot"/>
+      </p:par>
+    </p:tnLst>
+  </p:timing>
 </p:sld>
 </file>
 

--- a/plots.pptx
+++ b/plots.pptx
@@ -264,7 +264,7 @@
             <a:spLocks noGrp="1" noChangeArrowheads="1"/>
             <a:extLst>
               <a:ext uri="smNativeData">
-                <pr:smNativeData xmlns:mc="http://schemas.openxmlformats.org/markup-compatibility/2006" xmlns:p14="http://schemas.microsoft.com/office/powerpoint/2010/main" xmlns:p15="http://schemas.microsoft.com/office/powerpoint/2012/main" xmlns:pr="smNativeData" xmlns="smNativeData" val="SMDATA_16_xzE7ZxMAAAAlAAAAZAAAAA8BAAAAkAAAAEgAAACQAAAASAAAAAAAAAAAAAAAAAAAAAEAAABQAAAAAAAAAAAA4D8AAAAAAADgPwAAAAAAAOA/AAAAAAAA4D8AAAAAAADgPwAAAAAAAOA/AAAAAAAA4D8AAAAAAADgPwAAAAAAAOA/AAAAAAAA4D8CAAAAjAAAAAAAAAAAAAAAu+DjDP///wgAAAAAAAAAAAAAAAAAAAAAAAAAAAAAAAAAAAAAZAAAAAEAAABAAAAAAAAAAAAAAAAAAAAAAAAAAAAAAAAAAAAAAAAAAAAAAAAAAAAAAAAAAAAAAAAAAAAAAAAAAAAAAAAAAAAAAAAAAAAAAAAAAAAAAAAAAAAAAAAAAAAAFAAAADwAAAAAAAAAAAAAAAAAAAkUAAAAAQAAABQAAAAUAAAAFAAAAAEAAAAAAAAAZAAAAGQAAAAAAAAAZAAAAGQAAAAVAAAAYAAAAAAAAAAAAAAADwAAACADAAAAAAAAAAAAAAEAAACgMgAAVgcAAKr4//8BAAAAf39/AAEAAABkAAAAAAAAABQAAABAHwAAAAAAACYAAAAAAAAAwOD//wAAAAAmAAAAZAAAABYAAABMAAAAAAAAAAAAAAAEAAAAAAAAAAEAAACAgIAKAAAAACgAAAAoAAAAZAAAAGQAAAAAAAAAzMzMAAAAAABQAAAAUAAAAGQAAABkAAAAAAAAABcAAAAUAAAAAAAAAAAAAAD/fwAA/38AAAAAAAAJAAAABAAAAAAAAAAeAAAAaAAAAAAAAAAAAAAAAAAAAAAAAAAAAAAAECcAABAnAAAAAAAAAAAAAAAAAAAAAAAAAAAAAAAAAAAAAAAAAAAAABQAAAAAAAAAwMD/AAAAAABkAAAAMgAAAAAAAABkAAAAAAAAAH9/fwAKAAAAIgAAABgAAAAAAAAAAAAAAAAAAAAAAAAAAAAAAAAAAAAkAAAAJAAAAAAAAAAHAAAAAAAAAAAAAAAAAAAAAAAAAAAAAAAAAAAAf39/ACUAAABYAAAAAAAAAAAAAAAAAAAAAAAAAAAAAAAAAAAAAAAAAAAAAAAAAAAAAAAAAAAAAAA/AAAAAAAAAKCGAQAAAAAAAAAAAAAAAAAMAAAAAQAAAAAAAAAAAAAAAAAAAB8AAABUAAAAAAAABQAAAAEAAAAAAAAAAAAAAAAAAAAAAAAAAAAAAAAAAAAAAAAAAAAAAAJ/f38AAAAAA8zMzADAwP8Af39/AAAAAAAAAAAAAAAAAAAAAAAAAAAAIQAAABgAAAAUAAAAAAAAAAAAAABIEgAA0AIAABAAAAAmAAAACAAAAP//////////MAAAABQAAAAAAAAAAAD//wAAAQAAAP//AAABAA=="/>
+                <pr:smNativeData xmlns="smNativeData" xmlns:pr="smNativeData" xmlns:p15="http://schemas.microsoft.com/office/powerpoint/2012/main" xmlns:p14="http://schemas.microsoft.com/office/powerpoint/2010/main" xmlns:mc="http://schemas.openxmlformats.org/markup-compatibility/2006" val="SMDATA_16_xzE7ZxMAAAAlAAAAZAAAAA8BAAAAkAAAAEgAAACQAAAASAAAAAAAAAAAAAAAAAAAAAEAAABQAAAAAAAAAAAA4D8AAAAAAADgPwAAAAAAAOA/AAAAAAAA4D8AAAAAAADgPwAAAAAAAOA/AAAAAAAA4D8AAAAAAADgPwAAAAAAAOA/AAAAAAAA4D8CAAAAjAAAAAAAAAAAAAAAu+DjDP///wgAAAAAAAAAAAAAAAAAAAAAAAAAAAAAAAAAAAAAZAAAAAEAAABAAAAAAAAAAAAAAAAAAAAAAAAAAAAAAAAAAAAAAAAAAAAAAAAAAAAAAAAAAAAAAAAAAAAAAAAAAAAAAAAAAAAAAAAAAAAAAAAAAAAAAAAAAAAAAAAAAAAAFAAAADwAAAAAAAAAAAAAAAAAAAkUAAAAAQAAABQAAAAUAAAAFAAAAAEAAAAAAAAAZAAAAGQAAAAAAAAAZAAAAGQAAAAVAAAAYAAAAAAAAAAAAAAADwAAACADAAAAAAAAAAAAAAEAAACgMgAAVgcAAKr4//8BAAAAf39/AAEAAABkAAAAAAAAABQAAABAHwAAAAAAACYAAAAAAAAAwOD//wAAAAAmAAAAZAAAABYAAABMAAAAAAAAAAAAAAAEAAAAAAAAAAEAAACAgIAKAAAAACgAAAAoAAAAZAAAAGQAAAAAAAAAzMzMAAAAAABQAAAAUAAAAGQAAABkAAAAAAAAABcAAAAUAAAAAAAAAAAAAAD/fwAA/38AAAAAAAAJAAAABAAAAAAAAAAeAAAAaAAAAAAAAAAAAAAAAAAAAAAAAAAAAAAAECcAABAnAAAAAAAAAAAAAAAAAAAAAAAAAAAAAAAAAAAAAAAAAAAAABQAAAAAAAAAwMD/AAAAAABkAAAAMgAAAAAAAABkAAAAAAAAAH9/fwAKAAAAIgAAABgAAAAAAAAAAAAAAAAAAAAAAAAAAAAAAAAAAAAkAAAAJAAAAAAAAAAHAAAAAAAAAAAAAAAAAAAAAAAAAAAAAAAAAAAAf39/ACUAAABYAAAAAAAAAAAAAAAAAAAAAAAAAAAAAAAAAAAAAAAAAAAAAAAAAAAAAAAAAAAAAAA/AAAAAAAAAKCGAQAAAAAAAAAAAAAAAAAMAAAAAQAAAAAAAAAAAAAAAAAAAB8AAABUAAAAAAAABQAAAAEAAAAAAAAAAAAAAAAAAAAAAAAAAAAAAAAAAAAAAAAAAAAAAAJ/f38AAAAAA8zMzADAwP8Af39/AAAAAAAAAAAAAAAAAAAAAAAAAAAAIQAAABgAAAAUAAAAAAAAAAAAAABIEgAA0AIAABAAAAAmAAAACAAAAP//////////MAAAABQAAAAAAAAAAAD//wAAAQAAAP//AAABAA=="/>
               </a:ext>
             </a:extLst>
           </p:cNvSpPr>
@@ -336,7 +336,7 @@
             <a:spLocks noGrp="1" noChangeArrowheads="1"/>
             <a:extLst>
               <a:ext uri="smNativeData">
-                <pr:smNativeData xmlns:mc="http://schemas.openxmlformats.org/markup-compatibility/2006" xmlns:p14="http://schemas.microsoft.com/office/powerpoint/2010/main" xmlns:p15="http://schemas.microsoft.com/office/powerpoint/2012/main" xmlns:pr="smNativeData" xmlns="smNativeData" val="SMDATA_16_xzE7ZxMAAAAlAAAAZAAAAA8BAAAAkAAAAEgAAACQAAAASAAAAAAAAAAAAAAAAAAAAAEAAABQAAAAAAAAAAAA4D8AAAAAAADgPwAAAAAAAOA/AAAAAAAA4D8AAAAAAADgPwAAAAAAAOA/AAAAAAAA4D8AAAAAAADgPwAAAAAAAOA/AAAAAAAA4D8CAAAAjAAAAAAAAAAAAAAAu+DjDP///wgAAAAAAAAAAAAAAAAAAAAAAAAAAAAAAAAAAAAAZAAAAAEAAABAAAAAAAAAAAAAAAAAAAAAAAAAAAAAAAAAAAAAAAAAAAAAAAAAAAAAAAAAAAAAAAAAAAAAAAAAAAAAAAAAAAAAAAAAAAAAAAAAAAAAAAAAAAAAAAAAAAAAFAAAADwAAAAAAAAAAAAAAAAAAAkUAAAAAQAAABQAAAAUAAAAFAAAAAEAAAAAAAAAZAAAAGQAAAAAAAAAZAAAAGQAAAAVAAAAYAAAAAAAAAAAAAAADwAAACADAAAAAAAAAAAAAAEAAACgMgAAVgcAAKr4//8BAAAAf39/AAEAAABkAAAAAAAAABQAAABAHwAAAAAAACYAAAAAAAAAwOD//wAAAAAmAAAAZAAAABYAAABMAAAAAAAAAAAAAAAEAAAAAAAAAAEAAACAgIAKAAAAACgAAAAoAAAAZAAAAGQAAAAAAAAAzMzMAAAAAABQAAAAUAAAAGQAAABkAAAAAAAAABcAAAAUAAAAAAAAAAAAAAD/fwAA/38AAAAAAAAJAAAABAAAAAAAAAAeAAAAaAAAAAAAAAAAAAAAAAAAAAAAAAAAAAAAECcAABAnAAAAAAAAAAAAAAAAAAAAAAAAAAAAAAAAAAAAAAAAAAAAABQAAAAAAAAAwMD/AAAAAABkAAAAMgAAAAAAAABkAAAAAAAAAH9/fwAKAAAAIgAAABgAAAAAAAAAAAAAAAAAAAAAAAAAAAAAAAAAAAAkAAAAJAAAAAAAAAAHAAAAAAAAAAAAAAAAAAAAAAAAAAAAAAAAAAAAf39/ACUAAABYAAAAAAAAAAAAAAAAAAAAAAAAAAAAAAAAAAAAAAAAAAAAAAAAAAAAAAAAAAAAAAA/AAAAAAAAAKCGAQAAAAAAAAAAAAAAAAAMAAAAAQAAAAAAAAAAAAAAAAAAAB8AAABUAAAAAAAABQAAAAEAAAAAAAAAAAAAAAAAAAAAAAAAAAAAAAAAAAAAAAAAAAAAAAJ/f38AAAAAA8zMzADAwP8Af39/AAAAAAAAAAAAAAAAAAAAAAAAAAAAIQAAABgAAAAUAAAA6BcAAAAAAAAwKgAA0AIAABAAAAAmAAAACAAAAP//////////MAAAABQAAAAAAAAAAAD//wAAAQAAAP//AAABAA=="/>
+                <pr:smNativeData xmlns="smNativeData" xmlns:pr="smNativeData" xmlns:p15="http://schemas.microsoft.com/office/powerpoint/2012/main" xmlns:p14="http://schemas.microsoft.com/office/powerpoint/2010/main" xmlns:mc="http://schemas.openxmlformats.org/markup-compatibility/2006" val="SMDATA_16_xzE7ZxMAAAAlAAAAZAAAAA8BAAAAkAAAAEgAAACQAAAASAAAAAAAAAAAAAAAAAAAAAEAAABQAAAAAAAAAAAA4D8AAAAAAADgPwAAAAAAAOA/AAAAAAAA4D8AAAAAAADgPwAAAAAAAOA/AAAAAAAA4D8AAAAAAADgPwAAAAAAAOA/AAAAAAAA4D8CAAAAjAAAAAAAAAAAAAAAu+DjDP///wgAAAAAAAAAAAAAAAAAAAAAAAAAAAAAAAAAAAAAZAAAAAEAAABAAAAAAAAAAAAAAAAAAAAAAAAAAAAAAAAAAAAAAAAAAAAAAAAAAAAAAAAAAAAAAAAAAAAAAAAAAAAAAAAAAAAAAAAAAAAAAAAAAAAAAAAAAAAAAAAAAAAAFAAAADwAAAAAAAAAAAAAAAAAAAkUAAAAAQAAABQAAAAUAAAAFAAAAAEAAAAAAAAAZAAAAGQAAAAAAAAAZAAAAGQAAAAVAAAAYAAAAAAAAAAAAAAADwAAACADAAAAAAAAAAAAAAEAAACgMgAAVgcAAKr4//8BAAAAf39/AAEAAABkAAAAAAAAABQAAABAHwAAAAAAACYAAAAAAAAAwOD//wAAAAAmAAAAZAAAABYAAABMAAAAAAAAAAAAAAAEAAAAAAAAAAEAAACAgIAKAAAAACgAAAAoAAAAZAAAAGQAAAAAAAAAzMzMAAAAAABQAAAAUAAAAGQAAABkAAAAAAAAABcAAAAUAAAAAAAAAAAAAAD/fwAA/38AAAAAAAAJAAAABAAAAAAAAAAeAAAAaAAAAAAAAAAAAAAAAAAAAAAAAAAAAAAAECcAABAnAAAAAAAAAAAAAAAAAAAAAAAAAAAAAAAAAAAAAAAAAAAAABQAAAAAAAAAwMD/AAAAAABkAAAAMgAAAAAAAABkAAAAAAAAAH9/fwAKAAAAIgAAABgAAAAAAAAAAAAAAAAAAAAAAAAAAAAAAAAAAAAkAAAAJAAAAAAAAAAHAAAAAAAAAAAAAAAAAAAAAAAAAAAAAAAAAAAAf39/ACUAAABYAAAAAAAAAAAAAAAAAAAAAAAAAAAAAAAAAAAAAAAAAAAAAAAAAAAAAAAAAAAAAAA/AAAAAAAAAKCGAQAAAAAAAAAAAAAAAAAMAAAAAQAAAAAAAAAAAAAAAAAAAB8AAABUAAAAAAAABQAAAAEAAAAAAAAAAAAAAAAAAAAAAAAAAAAAAAAAAAAAAAAAAAAAAAJ/f38AAAAAA8zMzADAwP8Af39/AAAAAAAAAAAAAAAAAAAAAAAAAAAAIQAAABgAAAAUAAAA6BcAAAAAAAAwKgAA0AIAABAAAAAmAAAACAAAAP//////////MAAAABQAAAAAAAAAAAD//wAAAQAAAP//AAABAA=="/>
               </a:ext>
             </a:extLst>
           </p:cNvSpPr>
@@ -398,7 +398,7 @@
               <a:defRPr lang="ru-ru"/>
             </a:pPr>
             <a:fld id="{3BC5E683-CDD6-9010-987D-3B45A8336E6E}" type="datetime1">
-              <a:t>20.11.2024</a:t>
+              <a:t>25.11.2024</a:t>
             </a:fld>
             <a:endParaRPr/>
           </a:p>
@@ -411,7 +411,7 @@
             <a:spLocks noGrp="1" noRot="1" noChangeAspect="1" noChangeArrowheads="1"/>
             <a:extLst>
               <a:ext uri="smNativeData">
-                <pr:smNativeData xmlns:mc="http://schemas.openxmlformats.org/markup-compatibility/2006" xmlns:p14="http://schemas.microsoft.com/office/powerpoint/2010/main" xmlns:p15="http://schemas.microsoft.com/office/powerpoint/2012/main" xmlns:pr="smNativeData" xmlns="smNativeData" val="SMDATA_16_xzE7ZxMAAAAlAAAAZAAAAA8BAAAAkAAAAEgAAACQAAAASAAAAAAAAAABAAAAAAAAAAEAAABQAAAAAAAAAAAA4D8AAAAAAADgPwAAAAAAAOA/AAAAAAAA4D8AAAAAAADgPwAAAAAAAOA/AAAAAAAA4D8AAAAAAADgPwAAAAAAAOA/AAAAAAAA4D8CAAAAjAAAAAEAAAAAAAAAu+DjDP///wgAAAAAAAAAAAAAAAAAAAAAAAAAAAAAAAAAAAAAZAAAAAEAAABAAAAAAAAAAAAAAAAAAAAAAAAAAAAAAAAAAAAAAAAAAAAAAAAAAAAAAAAAAAAAAAAAAAAAAAAAAAAAAAAAAAAAAAAAAAAAAAAAAAAAAAAAAAAAAAAAAAAAFAAAADwAAAABAAAAAAAAAAAAAAkUAAAAAQAAABQAAAAUAAAAFAAAAAEAAAAAAAAAZAAAAGQAAAAAAAAAZAAAAGQAAAAVAAAAYAAAAAAAAAAAAAAADwAAACADAAAAAAAAAAAAAAEAAACgMgAAVgcAAKr4//8BAAAAf39/AAEAAABkAAAAAAAAABQAAABAHwAAAAAAACYAAAAAAAAAwOD//wAAAAAmAAAAZAAAABYAAABMAAAAAAAAAAAAAAAEAAAAAAAAAAEAAACAgIAKAAAAACgAAAAoAAAAZAAAAGQAAAAAAAAAzMzMAAAAAABQAAAAUAAAAGQAAABkAAAAAAAAABcAAAAUAAAAAAAAAAAAAAD/fwAA/38AAAAAAAAJAAAABAAAAAAAAAAeAAAAaAAAAAAAAAAAAAAAAAAAAAAAAAAAAAAAECcAABAnAAAAAAAAAAAAAAAAAAAAAAAAAAAAAAAAAAAAAAAAAAAAABQAAAAAAAAAwMD/AAAAAABkAAAAMgAAAAAAAABkAAAAAAAAAH9/fwAKAAAAIgAAABgAAAAAAAAAAAAAAAAAAAAAAAAAAAAAAAAAAAAkAAAAJAAAAAAAAAAHAAAAAAAAAAAAAAAAAAAAAAAAAAAAAAAAAAAAf39/ACUAAABYAAAAAAAAAAAAAAAAAAAAAAAAAAAAAAAAAAAAAAAAAAAAAAAAAAAAAAAAAAAAAAA/AAAAAAAAAKCGAQAAAAAAAAAAAAAAAAAMAAAAAQAAAAAAAAAAAAAAAAAAAB8AAABUAAAAAAAABQAAAAEAAAAAAAAAAAAAAAAAAAAAAAAAAAAAAAAAAAAAAAAAAAAAAAJ/f38AAAAAA8zMzADAwP8Af39/AAAAAAAAAAAAAAAAAAAAAAAAAAAAIQAAABgAAAAUAAAACAcAADgEAAAoIwAAUBkAABAAAAAmAAAACAAAAP//////////MAAAABQAAAAAAAAAAAD//wAAAQAAAP//AAABAA=="/>
+                <pr:smNativeData xmlns="smNativeData" xmlns:pr="smNativeData" xmlns:p15="http://schemas.microsoft.com/office/powerpoint/2012/main" xmlns:p14="http://schemas.microsoft.com/office/powerpoint/2010/main" xmlns:mc="http://schemas.openxmlformats.org/markup-compatibility/2006" val="SMDATA_16_xzE7ZxMAAAAlAAAAZAAAAA8BAAAAkAAAAEgAAACQAAAASAAAAAAAAAABAAAAAAAAAAEAAABQAAAAAAAAAAAA4D8AAAAAAADgPwAAAAAAAOA/AAAAAAAA4D8AAAAAAADgPwAAAAAAAOA/AAAAAAAA4D8AAAAAAADgPwAAAAAAAOA/AAAAAAAA4D8CAAAAjAAAAAEAAAAAAAAAu+DjDP///wgAAAAAAAAAAAAAAAAAAAAAAAAAAAAAAAAAAAAAZAAAAAEAAABAAAAAAAAAAAAAAAAAAAAAAAAAAAAAAAAAAAAAAAAAAAAAAAAAAAAAAAAAAAAAAAAAAAAAAAAAAAAAAAAAAAAAAAAAAAAAAAAAAAAAAAAAAAAAAAAAAAAAFAAAADwAAAABAAAAAAAAAAAAAAkUAAAAAQAAABQAAAAUAAAAFAAAAAEAAAAAAAAAZAAAAGQAAAAAAAAAZAAAAGQAAAAVAAAAYAAAAAAAAAAAAAAADwAAACADAAAAAAAAAAAAAAEAAACgMgAAVgcAAKr4//8BAAAAf39/AAEAAABkAAAAAAAAABQAAABAHwAAAAAAACYAAAAAAAAAwOD//wAAAAAmAAAAZAAAABYAAABMAAAAAAAAAAAAAAAEAAAAAAAAAAEAAACAgIAKAAAAACgAAAAoAAAAZAAAAGQAAAAAAAAAzMzMAAAAAABQAAAAUAAAAGQAAABkAAAAAAAAABcAAAAUAAAAAAAAAAAAAAD/fwAA/38AAAAAAAAJAAAABAAAAAAAAAAeAAAAaAAAAAAAAAAAAAAAAAAAAAAAAAAAAAAAECcAABAnAAAAAAAAAAAAAAAAAAAAAAAAAAAAAAAAAAAAAAAAAAAAABQAAAAAAAAAwMD/AAAAAABkAAAAMgAAAAAAAABkAAAAAAAAAH9/fwAKAAAAIgAAABgAAAAAAAAAAAAAAAAAAAAAAAAAAAAAAAAAAAAkAAAAJAAAAAAAAAAHAAAAAAAAAAAAAAAAAAAAAAAAAAAAAAAAAAAAf39/ACUAAABYAAAAAAAAAAAAAAAAAAAAAAAAAAAAAAAAAAAAAAAAAAAAAAAAAAAAAAAAAAAAAAA/AAAAAAAAAKCGAQAAAAAAAAAAAAAAAAAMAAAAAQAAAAAAAAAAAAAAAAAAAB8AAABUAAAAAAAABQAAAAEAAAAAAAAAAAAAAAAAAAAAAAAAAAAAAAAAAAAAAAAAAAAAAAJ/f38AAAAAA8zMzADAwP8Af39/AAAAAAAAAAAAAAAAAAAAAAAAAAAAIQAAABgAAAAUAAAACAcAADgEAAAoIwAAUBkAABAAAAAmAAAACAAAAP//////////MAAAABQAAAAAAAAAAAD//wAAAQAAAP//AAABAA=="/>
               </a:ext>
             </a:extLst>
           </p:cNvSpPr>
@@ -448,7 +448,7 @@
             <a:spLocks noGrp="1" noChangeArrowheads="1"/>
             <a:extLst>
               <a:ext uri="smNativeData">
-                <pr:smNativeData xmlns:mc="http://schemas.openxmlformats.org/markup-compatibility/2006" xmlns:p14="http://schemas.microsoft.com/office/powerpoint/2010/main" xmlns:p15="http://schemas.microsoft.com/office/powerpoint/2012/main" xmlns:pr="smNativeData" xmlns="smNativeData" val="SMDATA_16_xzE7ZxMAAAAlAAAAZAAAAA8BAAAAkAAAAEgAAACQAAAASAAAAAAAAAAAAAAAAAAAAAEAAABQAAAAAAAAAAAA4D8AAAAAAADgPwAAAAAAAOA/AAAAAAAA4D8AAAAAAADgPwAAAAAAAOA/AAAAAAAA4D8AAAAAAADgPwAAAAAAAOA/AAAAAAAA4D8CAAAAjAAAAAAAAAAAAAAAu+DjDP///wgAAAAAAAAAAAAAAAAAAAAAAAAAAAAAAAAAAAAAZAAAAAEAAABAAAAAAAAAAAAAAAAAAAAAAAAAAAAAAAAAAAAAAAAAAAAAAAAAAAAAAAAAAAAAAAAAAAAAAAAAAAAAAAAAAAAAAAAAAAAAAAAAAAAAAAAAAAAAAAAAAAAAFAAAADwAAAAAAAAAAAAAAAAAAAkUAAAAAQAAABQAAAAUAAAAFAAAAAEAAAAAAAAAZAAAAGQAAAAAAAAAZAAAAGQAAAAVAAAAYAAAAAAAAAAAAAAADwAAACADAAAAAAAAAAAAAAEAAACgMgAAVgcAAKr4//8BAAAAf39/AAEAAABkAAAAAAAAABQAAABAHwAAAAAAACYAAAAAAAAAwOD//wAAAAAmAAAAZAAAABYAAABMAAAAAAAAAAAAAAAEAAAAAAAAAAEAAACAgIAKAAAAACgAAAAoAAAAZAAAAGQAAAAAAAAAzMzMAAAAAABQAAAAUAAAAGQAAABkAAAAAAAAABcAAAAUAAAAAAAAAAAAAAD/fwAA/38AAAAAAAAJAAAABAAAAAAAAAAeAAAAaAAAAAAAAAAAAAAAAAAAAAAAAAAAAAAAECcAABAnAAAAAAAAAAAAAAAAAAAAAAAAAAAAAAAAAAAAAAAAAAAAABQAAAAAAAAAwMD/AAAAAABkAAAAMgAAAAAAAABkAAAAAAAAAH9/fwAKAAAAIgAAABgAAAAAAAAAAAAAAAAAAAAAAAAAAAAAAAAAAAAkAAAAJAAAAAAAAAAHAAAAAAAAAAAAAAAAAAAAAAAAAAAAAAAAAAAAf39/ACUAAABYAAAAAAAAAAAAAAAAAAAAAAAAAAAAAAAAAAAAAAAAAAAAAAAAAAAAAAAAAAAAAAA/AAAAAAAAAKCGAQAAAAAAAAAAAAAAAAAMAAAAAQAAAAAAAAAAAAAAAAAAAB8AAABUAAAAAAAABQAAAAEAAAAAAAAAAAAAAAAAAAAAAAAAAAAAAAAAAAAAAAAAAAAAAAJ/f38AAAAAA8zMzADAwP8Af39/AAAAAAAAAAAAAAAAAAAAAAAAAAAAIQAAABgAAAAUAAAAOAQAALgaAAD4JQAACDQAABAAAAAmAAAACAAAAP//////////MAAAABQAAAAAAAAAAAD//wAAAQAAAP//AAABAA=="/>
+                <pr:smNativeData xmlns="smNativeData" xmlns:pr="smNativeData" xmlns:p15="http://schemas.microsoft.com/office/powerpoint/2012/main" xmlns:p14="http://schemas.microsoft.com/office/powerpoint/2010/main" xmlns:mc="http://schemas.openxmlformats.org/markup-compatibility/2006" val="SMDATA_16_xzE7ZxMAAAAlAAAAZAAAAA8BAAAAkAAAAEgAAACQAAAASAAAAAAAAAAAAAAAAAAAAAEAAABQAAAAAAAAAAAA4D8AAAAAAADgPwAAAAAAAOA/AAAAAAAA4D8AAAAAAADgPwAAAAAAAOA/AAAAAAAA4D8AAAAAAADgPwAAAAAAAOA/AAAAAAAA4D8CAAAAjAAAAAAAAAAAAAAAu+DjDP///wgAAAAAAAAAAAAAAAAAAAAAAAAAAAAAAAAAAAAAZAAAAAEAAABAAAAAAAAAAAAAAAAAAAAAAAAAAAAAAAAAAAAAAAAAAAAAAAAAAAAAAAAAAAAAAAAAAAAAAAAAAAAAAAAAAAAAAAAAAAAAAAAAAAAAAAAAAAAAAAAAAAAAFAAAADwAAAAAAAAAAAAAAAAAAAkUAAAAAQAAABQAAAAUAAAAFAAAAAEAAAAAAAAAZAAAAGQAAAAAAAAAZAAAAGQAAAAVAAAAYAAAAAAAAAAAAAAADwAAACADAAAAAAAAAAAAAAEAAACgMgAAVgcAAKr4//8BAAAAf39/AAEAAABkAAAAAAAAABQAAABAHwAAAAAAACYAAAAAAAAAwOD//wAAAAAmAAAAZAAAABYAAABMAAAAAAAAAAAAAAAEAAAAAAAAAAEAAACAgIAKAAAAACgAAAAoAAAAZAAAAGQAAAAAAAAAzMzMAAAAAABQAAAAUAAAAGQAAABkAAAAAAAAABcAAAAUAAAAAAAAAAAAAAD/fwAA/38AAAAAAAAJAAAABAAAAAAAAAAeAAAAaAAAAAAAAAAAAAAAAAAAAAAAAAAAAAAAECcAABAnAAAAAAAAAAAAAAAAAAAAAAAAAAAAAAAAAAAAAAAAAAAAABQAAAAAAAAAwMD/AAAAAABkAAAAMgAAAAAAAABkAAAAAAAAAH9/fwAKAAAAIgAAABgAAAAAAAAAAAAAAAAAAAAAAAAAAAAAAAAAAAAkAAAAJAAAAAAAAAAHAAAAAAAAAAAAAAAAAAAAAAAAAAAAAAAAAAAAf39/ACUAAABYAAAAAAAAAAAAAAAAAAAAAAAAAAAAAAAAAAAAAAAAAAAAAAAAAAAAAAAAAAAAAAA/AAAAAAAAAKCGAQAAAAAAAAAAAAAAAAAMAAAAAQAAAAAAAAAAAAAAAAAAAB8AAABUAAAAAAAABQAAAAEAAAAAAAAAAAAAAAAAAAAAAAAAAAAAAAAAAAAAAAAAAAAAAAJ/f38AAAAAA8zMzADAwP8Af39/AAAAAAAAAAAAAAAAAAAAAAAAAAAAIQAAABgAAAAUAAAAOAQAALgaAAD4JQAACDQAABAAAAAmAAAACAAAAP//////////MAAAABQAAAAAAAAAAAD//wAAAQAAAP//AAABAA=="/>
               </a:ext>
             </a:extLst>
           </p:cNvSpPr>
@@ -526,7 +526,7 @@
             <a:spLocks noGrp="1" noChangeArrowheads="1"/>
             <a:extLst>
               <a:ext uri="smNativeData">
-                <pr:smNativeData xmlns:mc="http://schemas.openxmlformats.org/markup-compatibility/2006" xmlns:p14="http://schemas.microsoft.com/office/powerpoint/2010/main" xmlns:p15="http://schemas.microsoft.com/office/powerpoint/2012/main" xmlns:pr="smNativeData" xmlns="smNativeData" val="SMDATA_16_xzE7ZxMAAAAlAAAAZAAAAA8BAAAAkAAAAEgAAACQAAAASAAAAAAAAAACAAAAAAAAAAEAAABQAAAAAAAAAAAA4D8AAAAAAADgPwAAAAAAAOA/AAAAAAAA4D8AAAAAAADgPwAAAAAAAOA/AAAAAAAA4D8AAAAAAADgPwAAAAAAAOA/AAAAAAAA4D8CAAAAjAAAAAAAAAAAAAAAu+DjDP///wgAAAAAAAAAAAAAAAAAAAAAAAAAAAAAAAAAAAAAZAAAAAEAAABAAAAAAAAAAAAAAAAAAAAAAAAAAAAAAAAAAAAAAAAAAAAAAAAAAAAAAAAAAAAAAAAAAAAAAAAAAAAAAAAAAAAAAAAAAAAAAAAAAAAAAAAAAAAAAAAAAAAAFAAAADwAAAAAAAAAAAAAAAAAAAkUAAAAAQAAABQAAAAUAAAAFAAAAAEAAAAAAAAAZAAAAGQAAAAAAAAAZAAAAGQAAAAVAAAAYAAAAAAAAAAAAAAADwAAACADAAAAAAAAAAAAAAEAAACgMgAAVgcAAKr4//8BAAAAf39/AAEAAABkAAAAAAAAABQAAABAHwAAAAAAACYAAAAAAAAAwOD//wAAAAAmAAAAZAAAABYAAABMAAAAAAAAAAAAAAAEAAAAAAAAAAEAAACAgIAKAAAAACgAAAAoAAAAZAAAAGQAAAAAAAAAzMzMAAAAAABQAAAAUAAAAGQAAABkAAAAAAAAABcAAAAUAAAAAAAAAAAAAAD/fwAA/38AAAAAAAAJAAAABAAAAAAAAAAeAAAAaAAAAAAAAAAAAAAAAAAAAAAAAAAAAAAAECcAABAnAAAAAAAAAAAAAAAAAAAAAAAAAAAAAAAAAAAAAAAAAAAAABQAAAAAAAAAwMD/AAAAAABkAAAAMgAAAAAAAABkAAAAAAAAAH9/fwAKAAAAIgAAABgAAAAAAAAAAAAAAAAAAAAAAAAAAAAAAAAAAAAkAAAAJAAAAAAAAAAHAAAAAAAAAAAAAAAAAAAAAAAAAAAAAAAAAAAAf39/ACUAAABYAAAAAAAAAAAAAAAAAAAAAAAAAAAAAAAAAAAAAAAAAAAAAAAAAAAAAAAAAAAAAAA/AAAAAAAAAKCGAQAAAAAAAAAAAAAAAAAMAAAAAQAAAAAAAAAAAAAAAAAAAB8AAABUAAAAAAAABQAAAAEAAAAAAAAAAAAAAAAAAAAAAAAAAAAAAAAAAAAAAAAAAAAAAAJ/f38AAAAAA8zMzADAwP8Af39/AAAAAAAAAAAAAAAAAAAAAAAAAAAAIQAAABgAAAAUAAAAAAAAAHA1AABIEgAAQDgAABAAAAAmAAAACAAAAP//////////MAAAABQAAAAAAAAAAAD//wAAAQAAAP//AAABAA=="/>
+                <pr:smNativeData xmlns="smNativeData" xmlns:pr="smNativeData" xmlns:p15="http://schemas.microsoft.com/office/powerpoint/2012/main" xmlns:p14="http://schemas.microsoft.com/office/powerpoint/2010/main" xmlns:mc="http://schemas.openxmlformats.org/markup-compatibility/2006" val="SMDATA_16_xzE7ZxMAAAAlAAAAZAAAAA8BAAAAkAAAAEgAAACQAAAASAAAAAAAAAACAAAAAAAAAAEAAABQAAAAAAAAAAAA4D8AAAAAAADgPwAAAAAAAOA/AAAAAAAA4D8AAAAAAADgPwAAAAAAAOA/AAAAAAAA4D8AAAAAAADgPwAAAAAAAOA/AAAAAAAA4D8CAAAAjAAAAAAAAAAAAAAAu+DjDP///wgAAAAAAAAAAAAAAAAAAAAAAAAAAAAAAAAAAAAAZAAAAAEAAABAAAAAAAAAAAAAAAAAAAAAAAAAAAAAAAAAAAAAAAAAAAAAAAAAAAAAAAAAAAAAAAAAAAAAAAAAAAAAAAAAAAAAAAAAAAAAAAAAAAAAAAAAAAAAAAAAAAAAFAAAADwAAAAAAAAAAAAAAAAAAAkUAAAAAQAAABQAAAAUAAAAFAAAAAEAAAAAAAAAZAAAAGQAAAAAAAAAZAAAAGQAAAAVAAAAYAAAAAAAAAAAAAAADwAAACADAAAAAAAAAAAAAAEAAACgMgAAVgcAAKr4//8BAAAAf39/AAEAAABkAAAAAAAAABQAAABAHwAAAAAAACYAAAAAAAAAwOD//wAAAAAmAAAAZAAAABYAAABMAAAAAAAAAAAAAAAEAAAAAAAAAAEAAACAgIAKAAAAACgAAAAoAAAAZAAAAGQAAAAAAAAAzMzMAAAAAABQAAAAUAAAAGQAAABkAAAAAAAAABcAAAAUAAAAAAAAAAAAAAD/fwAA/38AAAAAAAAJAAAABAAAAAAAAAAeAAAAaAAAAAAAAAAAAAAAAAAAAAAAAAAAAAAAECcAABAnAAAAAAAAAAAAAAAAAAAAAAAAAAAAAAAAAAAAAAAAAAAAABQAAAAAAAAAwMD/AAAAAABkAAAAMgAAAAAAAABkAAAAAAAAAH9/fwAKAAAAIgAAABgAAAAAAAAAAAAAAAAAAAAAAAAAAAAAAAAAAAAkAAAAJAAAAAAAAAAHAAAAAAAAAAAAAAAAAAAAAAAAAAAAAAAAAAAAf39/ACUAAABYAAAAAAAAAAAAAAAAAAAAAAAAAAAAAAAAAAAAAAAAAAAAAAAAAAAAAAAAAAAAAAA/AAAAAAAAAKCGAQAAAAAAAAAAAAAAAAAMAAAAAQAAAAAAAAAAAAAAAAAAAB8AAABUAAAAAAAABQAAAAEAAAAAAAAAAAAAAAAAAAAAAAAAAAAAAAAAAAAAAAAAAAAAAAJ/f38AAAAAA8zMzADAwP8Af39/AAAAAAAAAAAAAAAAAAAAAAAAAAAAIQAAABgAAAAUAAAAAAAAAHA1AABIEgAAQDgAABAAAAAmAAAACAAAAP//////////MAAAABQAAAAAAAAAAAD//wAAAQAAAP//AAABAA=="/>
               </a:ext>
             </a:extLst>
           </p:cNvSpPr>
@@ -598,7 +598,7 @@
             <a:spLocks noGrp="1" noChangeArrowheads="1"/>
             <a:extLst>
               <a:ext uri="smNativeData">
-                <pr:smNativeData xmlns:mc="http://schemas.openxmlformats.org/markup-compatibility/2006" xmlns:p14="http://schemas.microsoft.com/office/powerpoint/2010/main" xmlns:p15="http://schemas.microsoft.com/office/powerpoint/2012/main" xmlns:pr="smNativeData" xmlns="smNativeData" val="SMDATA_16_xzE7ZxMAAAAlAAAAZAAAAA8BAAAAkAAAAEgAAACQAAAASAAAAAAAAAACAAAAAAAAAAEAAABQAAAAAAAAAAAA4D8AAAAAAADgPwAAAAAAAOA/AAAAAAAA4D8AAAAAAADgPwAAAAAAAOA/AAAAAAAA4D8AAAAAAADgPwAAAAAAAOA/AAAAAAAA4D8CAAAAjAAAAAAAAAAAAAAAu+DjDP///wgAAAAAAAAAAAAAAAAAAAAAAAAAAAAAAAAAAAAAZAAAAAEAAABAAAAAAAAAAAAAAAAAAAAAAAAAAAAAAAAAAAAAAAAAAAAAAAAAAAAAAAAAAAAAAAAAAAAAAAAAAAAAAAAAAAAAAAAAAAAAAAAAAAAAAAAAAAAAAAAAAAAAFAAAADwAAAAAAAAAAAAAAAAAAAkUAAAAAQAAABQAAAAUAAAAFAAAAAEAAAAAAAAAZAAAAGQAAAAAAAAAZAAAAGQAAAAVAAAAYAAAAAAAAAAAAAAADwAAACADAAAAAAAAAAAAAAEAAACgMgAAVgcAAKr4//8BAAAAf39/AAEAAABkAAAAAAAAABQAAABAHwAAAAAAACYAAAAAAAAAwOD//wAAAAAmAAAAZAAAABYAAABMAAAAAAAAAAAAAAAEAAAAAAAAAAEAAACAgIAKAAAAACgAAAAoAAAAZAAAAGQAAAAAAAAAzMzMAAAAAABQAAAAUAAAAGQAAABkAAAAAAAAABcAAAAUAAAAAAAAAAAAAAD/fwAA/38AAAAAAAAJAAAABAAAAAAAAAAeAAAAaAAAAAAAAAAAAAAAAAAAAAAAAAAAAAAAECcAABAnAAAAAAAAAAAAAAAAAAAAAAAAAAAAAAAAAAAAAAAAAAAAABQAAAAAAAAAwMD/AAAAAABkAAAAMgAAAAAAAABkAAAAAAAAAH9/fwAKAAAAIgAAABgAAAAAAAAAAAAAAAAAAAAAAAAAAAAAAAAAAAAkAAAAJAAAAAAAAAAHAAAAAAAAAAAAAAAAAAAAAAAAAAAAAAAAAAAAf39/ACUAAABYAAAAAAAAAAAAAAAAAAAAAAAAAAAAAAAAAAAAAAAAAAAAAAAAAAAAAAAAAAAAAAA/AAAAAAAAAKCGAQAAAAAAAAAAAAAAAAAMAAAAAQAAAAAAAAAAAAAAAAAAAB8AAABUAAAAAAAABQAAAAEAAAAAAAAAAAAAAAAAAAAAAAAAAAAAAAAAAAAAAAAAAAAAAAJ/f38AAAAAA8zMzADAwP8Af39/AAAAAAAAAAAAAAAAAAAAAAAAAAAAIQAAABgAAAAUAAAA6BcAAHA1AAAwKgAAQDgAABAAAAAmAAAACAAAAP//////////MAAAABQAAAAAAAAAAAD//wAAAQAAAP//AAABAA=="/>
+                <pr:smNativeData xmlns="smNativeData" xmlns:pr="smNativeData" xmlns:p15="http://schemas.microsoft.com/office/powerpoint/2012/main" xmlns:p14="http://schemas.microsoft.com/office/powerpoint/2010/main" xmlns:mc="http://schemas.openxmlformats.org/markup-compatibility/2006" val="SMDATA_16_xzE7ZxMAAAAlAAAAZAAAAA8BAAAAkAAAAEgAAACQAAAASAAAAAAAAAACAAAAAAAAAAEAAABQAAAAAAAAAAAA4D8AAAAAAADgPwAAAAAAAOA/AAAAAAAA4D8AAAAAAADgPwAAAAAAAOA/AAAAAAAA4D8AAAAAAADgPwAAAAAAAOA/AAAAAAAA4D8CAAAAjAAAAAAAAAAAAAAAu+DjDP///wgAAAAAAAAAAAAAAAAAAAAAAAAAAAAAAAAAAAAAZAAAAAEAAABAAAAAAAAAAAAAAAAAAAAAAAAAAAAAAAAAAAAAAAAAAAAAAAAAAAAAAAAAAAAAAAAAAAAAAAAAAAAAAAAAAAAAAAAAAAAAAAAAAAAAAAAAAAAAAAAAAAAAFAAAADwAAAAAAAAAAAAAAAAAAAkUAAAAAQAAABQAAAAUAAAAFAAAAAEAAAAAAAAAZAAAAGQAAAAAAAAAZAAAAGQAAAAVAAAAYAAAAAAAAAAAAAAADwAAACADAAAAAAAAAAAAAAEAAACgMgAAVgcAAKr4//8BAAAAf39/AAEAAABkAAAAAAAAABQAAABAHwAAAAAAACYAAAAAAAAAwOD//wAAAAAmAAAAZAAAABYAAABMAAAAAAAAAAAAAAAEAAAAAAAAAAEAAACAgIAKAAAAACgAAAAoAAAAZAAAAGQAAAAAAAAAzMzMAAAAAABQAAAAUAAAAGQAAABkAAAAAAAAABcAAAAUAAAAAAAAAAAAAAD/fwAA/38AAAAAAAAJAAAABAAAAAAAAAAeAAAAaAAAAAAAAAAAAAAAAAAAAAAAAAAAAAAAECcAABAnAAAAAAAAAAAAAAAAAAAAAAAAAAAAAAAAAAAAAAAAAAAAABQAAAAAAAAAwMD/AAAAAABkAAAAMgAAAAAAAABkAAAAAAAAAH9/fwAKAAAAIgAAABgAAAAAAAAAAAAAAAAAAAAAAAAAAAAAAAAAAAAkAAAAJAAAAAAAAAAHAAAAAAAAAAAAAAAAAAAAAAAAAAAAAAAAAAAAf39/ACUAAABYAAAAAAAAAAAAAAAAAAAAAAAAAAAAAAAAAAAAAAAAAAAAAAAAAAAAAAAAAAAAAAA/AAAAAAAAAKCGAQAAAAAAAAAAAAAAAAAMAAAAAQAAAAAAAAAAAAAAAAAAAB8AAABUAAAAAAAABQAAAAEAAAAAAAAAAAAAAAAAAAAAAAAAAAAAAAAAAAAAAAAAAAAAAAJ/f38AAAAAA8zMzADAwP8Af39/AAAAAAAAAAAAAAAAAAAAAAAAAAAAIQAAABgAAAAUAAAA6BcAAHA1AAAwKgAAQDgAABAAAAAmAAAACAAAAP//////////MAAAABQAAAAAAAAAAAD//wAAAQAAAP//AAABAA=="/>
               </a:ext>
             </a:extLst>
           </p:cNvSpPr>
@@ -905,7 +905,7 @@
             <a:spLocks noGrp="1" noRot="1" noChangeAspect="1" noChangeArrowheads="1"/>
             <a:extLst>
               <a:ext uri="smNativeData">
-                <pr:smNativeData xmlns:mc="http://schemas.openxmlformats.org/markup-compatibility/2006" xmlns:p14="http://schemas.microsoft.com/office/powerpoint/2010/main" xmlns:p15="http://schemas.microsoft.com/office/powerpoint/2012/main" xmlns:pr="smNativeData" xmlns="smNativeData" val="SMDATA_16_xzE7ZxMAAAAlAAAAZAAAAA8BAAAAkAAAAEgAAACQAAAASAAAAAAAAAABAAAAAAAAAAEAAABQAAAAAAAAAAAA4D8AAAAAAADgPwAAAAAAAOA/AAAAAAAA4D8AAAAAAADgPwAAAAAAAOA/AAAAAAAA4D8AAAAAAADgPwAAAAAAAOA/AAAAAAAA4D8CAAAAjAAAAAEAAAAAAAAARHLEDP///wgAAAAAAAAAAAAAAAAAAAAAAAAAAAAAAAAAAAAAZAAAAAEAAABAAAAAAAAAAAAAAAAAAAAAAAAAAAAAAAAAAAAAAAAAAAAAAAAAAAAAAAAAAAAAAAAAAAAAAAAAAAAAAAAAAAAAAAAAAAAAAAAAAAAAAAAAAAAAAAAAAAAAFAAAADwAAAABAAAAAAAAAAAAAAkUAAAAAQAAABQAAAAUAAAAFAAAAAEAAAAAAAAAZAAAAGQAAAAAAAAAZAAAAGQAAAAVAAAAYAAAAAAAAAAAAAAADwAAACADAAAAAAAAAAAAAAEAAACgMgAAVgcAAKr4//8BAAAAf39/AAEAAABkAAAAAAAAABQAAABAHwAAAAAAACYAAAAAAAAAwOD//wAAAAAmAAAAZAAAABYAAABMAAAAAAAAAAAAAAAEAAAAAAAAAAEAAADn5uYKAAAAACgAAAAoAAAAZAAAAGQAAAAAAAAAzMzMAAAAAABQAAAAUAAAAGQAAABkAAAAAAAAABcAAAAUAAAAAAAAAAAAAAD/fwAA/38AAAAAAAAJAAAABAAAAAAAAAAeAAAAaAAAAAAAAAAAAAAAAAAAAAAAAAAAAAAAECcAABAnAAAAAAAAAAAAAAAAAAAAAAAAAAAAAAAAAAAAAAAAAAAAABQAAAAAAAAAwMD/AAAAAABkAAAAMgAAAAAAAABkAAAAAAAAAH9/fwAKAAAAIgAAABgAAAAAAAAAAAAAAAAAAAAAAAAAAAAAAAAAAAAkAAAAJAAAAAAAAAAHAAAAAAAAAAAAAAAAAAAAAAAAAAAAAAAAAAAAf39/ACUAAABYAAAAAAAAAAAAAAAAAAAAAAAAAAAAAAAAAAAAAAAAAAAAAAAAAAAAAAAAAAAAAAA/AAAAAAAAAKCGAQAAAAAAAAAAAAAAAAAMAAAAAQAAAAAAAAAAAAAAAAAAAB8AAABUAAAAAAAABQAAAAEAAAAAAAAAAAAAAAAAAAAAAAAAAAAAAAAAAAAAAAAAAAAAAAJ/f38AAAAAA8zMzADAwP8Af39/AAAAAAAAAAAAAAAAAAAAAAAAAAAAIQAAABgAAAAUAAAACAcAADgEAAAoIwAAUBkAABAAAAAmAAAACAAAAP////8AAAAAMAAAABQAAAAAAAAAAAD//wAAAQAAAP//AAABAA=="/>
+                <pr:smNativeData xmlns="smNativeData" xmlns:pr="smNativeData" xmlns:p15="http://schemas.microsoft.com/office/powerpoint/2012/main" xmlns:p14="http://schemas.microsoft.com/office/powerpoint/2010/main" xmlns:mc="http://schemas.openxmlformats.org/markup-compatibility/2006" val="SMDATA_16_xzE7ZxMAAAAlAAAAZAAAAA8BAAAAkAAAAEgAAACQAAAASAAAAAAAAAABAAAAAAAAAAEAAABQAAAAAAAAAAAA4D8AAAAAAADgPwAAAAAAAOA/AAAAAAAA4D8AAAAAAADgPwAAAAAAAOA/AAAAAAAA4D8AAAAAAADgPwAAAAAAAOA/AAAAAAAA4D8CAAAAjAAAAAEAAAAAAAAARHLEDP///wgAAAAAAAAAAAAAAAAAAAAAAAAAAAAAAAAAAAAAZAAAAAEAAABAAAAAAAAAAAAAAAAAAAAAAAAAAAAAAAAAAAAAAAAAAAAAAAAAAAAAAAAAAAAAAAAAAAAAAAAAAAAAAAAAAAAAAAAAAAAAAAAAAAAAAAAAAAAAAAAAAAAAFAAAADwAAAABAAAAAAAAAAAAAAkUAAAAAQAAABQAAAAUAAAAFAAAAAEAAAAAAAAAZAAAAGQAAAAAAAAAZAAAAGQAAAAVAAAAYAAAAAAAAAAAAAAADwAAACADAAAAAAAAAAAAAAEAAACgMgAAVgcAAKr4//8BAAAAf39/AAEAAABkAAAAAAAAABQAAABAHwAAAAAAACYAAAAAAAAAwOD//wAAAAAmAAAAZAAAABYAAABMAAAAAAAAAAAAAAAEAAAAAAAAAAEAAADn5uYKAAAAACgAAAAoAAAAZAAAAGQAAAAAAAAAzMzMAAAAAABQAAAAUAAAAGQAAABkAAAAAAAAABcAAAAUAAAAAAAAAAAAAAD/fwAA/38AAAAAAAAJAAAABAAAAAAAAAAeAAAAaAAAAAAAAAAAAAAAAAAAAAAAAAAAAAAAECcAABAnAAAAAAAAAAAAAAAAAAAAAAAAAAAAAAAAAAAAAAAAAAAAABQAAAAAAAAAwMD/AAAAAABkAAAAMgAAAAAAAABkAAAAAAAAAH9/fwAKAAAAIgAAABgAAAAAAAAAAAAAAAAAAAAAAAAAAAAAAAAAAAAkAAAAJAAAAAAAAAAHAAAAAAAAAAAAAAAAAAAAAAAAAAAAAAAAAAAAf39/ACUAAABYAAAAAAAAAAAAAAAAAAAAAAAAAAAAAAAAAAAAAAAAAAAAAAAAAAAAAAAAAAAAAAA/AAAAAAAAAKCGAQAAAAAAAAAAAAAAAAAMAAAAAQAAAAAAAAAAAAAAAAAAAB8AAABUAAAAAAAABQAAAAEAAAAAAAAAAAAAAAAAAAAAAAAAAAAAAAAAAAAAAAAAAAAAAAJ/f38AAAAAA8zMzADAwP8Af39/AAAAAAAAAAAAAAAAAAAAAAAAAAAAIQAAABgAAAAUAAAACAcAADgEAAAoIwAAUBkAABAAAAAmAAAACAAAAP////8AAAAAMAAAABQAAAAAAAAAAAD//wAAAQAAAP//AAABAA=="/>
               </a:ext>
             </a:extLst>
           </p:cNvSpPr>
@@ -915,8 +915,8 @@
         </p:nvSpPr>
         <p:spPr>
           <a:xfrm>
-            <a:off x="1143000" y="685800"/>
-            <a:ext cx="4572000" cy="3429000"/>
+            <a:off x="381000" y="685800"/>
+            <a:ext cx="6096000" cy="3429000"/>
           </a:xfrm>
           <a:prstGeom prst="rect">
             <a:avLst/>
@@ -930,7 +930,7 @@
             <a:spLocks noGrp="1" noChangeArrowheads="1"/>
             <a:extLst>
               <a:ext uri="smNativeData">
-                <pr:smNativeData xmlns:mc="http://schemas.openxmlformats.org/markup-compatibility/2006" xmlns:p14="http://schemas.microsoft.com/office/powerpoint/2010/main" xmlns:p15="http://schemas.microsoft.com/office/powerpoint/2012/main" xmlns:pr="smNativeData" xmlns="smNativeData" val="SMDATA_16_xzE7ZxMAAAAlAAAAZAAAAA8BAAAAkAAAAEgAAACQAAAASAAAAAAAAAAAAAAAAAAAAAEAAABQAAAAAAAAAAAA4D8AAAAAAADgPwAAAAAAAOA/AAAAAAAA4D8AAAAAAADgPwAAAAAAAOA/AAAAAAAA4D8AAAAAAADgPwAAAAAAAOA/AAAAAAAA4D8CAAAAjAAAAAAAAAAAAAAARHLEDP///wgAAAAAAAAAAAAAAAAAAAAAAAAAAAAAAAAAAAAAZAAAAAEAAABAAAAAAAAAAAAAAAAAAAAAAAAAAAAAAAAAAAAAAAAAAAAAAAAAAAAAAAAAAAAAAAAAAAAAAAAAAAAAAAAAAAAAAAAAAAAAAAAAAAAAAAAAAAAAAAAAAAAAFAAAADwAAAAAAAAAAAAAAAAAAAkUAAAAAQAAABQAAAAUAAAAFAAAAAEAAAAAAAAAZAAAAGQAAAAAAAAAZAAAAGQAAAAVAAAAYAAAAAAAAAAAAAAADwAAACADAAAAAAAAAAAAAAEAAACgMgAAVgcAAKr4//8BAAAAf39/AAEAAABkAAAAAAAAABQAAABAHwAAAAAAACYAAAAAAAAAwOD//wAAAAAmAAAAZAAAABYAAABMAAAAAAAAAAAAAAAEAAAAAAAAAAEAAADn5uYKAAAAACgAAAAoAAAAZAAAAGQAAAAAAAAAzMzMAAAAAABQAAAAUAAAAGQAAABkAAAAAAAAABcAAAAUAAAAAAAAAAAAAAD/fwAA/38AAAAAAAAJAAAABAAAAAAAAAAeAAAAaAAAAAAAAAAAAAAAAAAAAAAAAAAAAAAAECcAABAnAAAAAAAAAAAAAAAAAAAAAAAAAAAAAAAAAAAAAAAAAAAAABQAAAAAAAAAwMD/AAAAAABkAAAAMgAAAAAAAABkAAAAAAAAAH9/fwAKAAAAIgAAABgAAAAAAAAAAAAAAAAAAAAAAAAAAAAAAAAAAAAkAAAAJAAAAAAAAAAHAAAAAAAAAAAAAAAAAAAAAAAAAAAAAAAAAAAAf39/ACUAAABYAAAAAAAAAAAAAAAAAAAAAAAAAAAAAAAAAAAAAAAAAAAAAAAAAAAAAAAAAAAAAAA/AAAAAAAAAKCGAQAAAAAAAAAAAAAAAAAMAAAAAQAAAAAAAAAAAAAAAAAAAB8AAABUAAAAAAAABQAAAAEAAAAAAAAAAAAAAAAAAAAAAAAAAAAAAAAAAAAAAAAAAAAAAAJ/f38AAAAAA8zMzADAwP8Af39/AAAAAAAAAAAAAAAAAAAAAAAAAAAAIQAAABgAAAAUAAAAOAQAALgaAAD4JQAACDQAABAAAAAmAAAACAAAAP////8AAAAAMAAAABQAAAAAAAAAAAD//wAAAQAAAP//AAABAA=="/>
+                <pr:smNativeData xmlns="smNativeData" xmlns:pr="smNativeData" xmlns:p15="http://schemas.microsoft.com/office/powerpoint/2012/main" xmlns:p14="http://schemas.microsoft.com/office/powerpoint/2010/main" xmlns:mc="http://schemas.openxmlformats.org/markup-compatibility/2006" val="SMDATA_16_xzE7ZxMAAAAlAAAAZAAAAA8BAAAAkAAAAEgAAACQAAAASAAAAAAAAAAAAAAAAAAAAAEAAABQAAAAAAAAAAAA4D8AAAAAAADgPwAAAAAAAOA/AAAAAAAA4D8AAAAAAADgPwAAAAAAAOA/AAAAAAAA4D8AAAAAAADgPwAAAAAAAOA/AAAAAAAA4D8CAAAAjAAAAAAAAAAAAAAARHLEDP///wgAAAAAAAAAAAAAAAAAAAAAAAAAAAAAAAAAAAAAZAAAAAEAAABAAAAAAAAAAAAAAAAAAAAAAAAAAAAAAAAAAAAAAAAAAAAAAAAAAAAAAAAAAAAAAAAAAAAAAAAAAAAAAAAAAAAAAAAAAAAAAAAAAAAAAAAAAAAAAAAAAAAAFAAAADwAAAAAAAAAAAAAAAAAAAkUAAAAAQAAABQAAAAUAAAAFAAAAAEAAAAAAAAAZAAAAGQAAAAAAAAAZAAAAGQAAAAVAAAAYAAAAAAAAAAAAAAADwAAACADAAAAAAAAAAAAAAEAAACgMgAAVgcAAKr4//8BAAAAf39/AAEAAABkAAAAAAAAABQAAABAHwAAAAAAACYAAAAAAAAAwOD//wAAAAAmAAAAZAAAABYAAABMAAAAAAAAAAAAAAAEAAAAAAAAAAEAAADn5uYKAAAAACgAAAAoAAAAZAAAAGQAAAAAAAAAzMzMAAAAAABQAAAAUAAAAGQAAABkAAAAAAAAABcAAAAUAAAAAAAAAAAAAAD/fwAA/38AAAAAAAAJAAAABAAAAAAAAAAeAAAAaAAAAAAAAAAAAAAAAAAAAAAAAAAAAAAAECcAABAnAAAAAAAAAAAAAAAAAAAAAAAAAAAAAAAAAAAAAAAAAAAAABQAAAAAAAAAwMD/AAAAAABkAAAAMgAAAAAAAABkAAAAAAAAAH9/fwAKAAAAIgAAABgAAAAAAAAAAAAAAAAAAAAAAAAAAAAAAAAAAAAkAAAAJAAAAAAAAAAHAAAAAAAAAAAAAAAAAAAAAAAAAAAAAAAAAAAAf39/ACUAAABYAAAAAAAAAAAAAAAAAAAAAAAAAAAAAAAAAAAAAAAAAAAAAAAAAAAAAAAAAAAAAAA/AAAAAAAAAKCGAQAAAAAAAAAAAAAAAAAMAAAAAQAAAAAAAAAAAAAAAAAAAB8AAABUAAAAAAAABQAAAAEAAAAAAAAAAAAAAAAAAAAAAAAAAAAAAAAAAAAAAAAAAAAAAAJ/f38AAAAAA8zMzADAwP8Af39/AAAAAAAAAAAAAAAAAAAAAAAAAAAAIQAAABgAAAAUAAAAOAQAALgaAAD4JQAACDQAABAAAAAmAAAACAAAAP////8AAAAAMAAAABQAAAAAAAAAAAD//wAAAQAAAP//AAABAA=="/>
               </a:ext>
             </a:extLst>
           </p:cNvSpPr>
@@ -1002,7 +1002,7 @@
             <a:spLocks noGrp="1" noRot="1" noChangeAspect="1" noChangeArrowheads="1"/>
             <a:extLst>
               <a:ext uri="smNativeData">
-                <pr:smNativeData xmlns:mc="http://schemas.openxmlformats.org/markup-compatibility/2006" xmlns:p14="http://schemas.microsoft.com/office/powerpoint/2010/main" xmlns:p15="http://schemas.microsoft.com/office/powerpoint/2012/main" xmlns:pr="smNativeData" xmlns="smNativeData" val="SMDATA_16_xzE7ZxMAAAAlAAAAZAAAAA8BAAAAkAAAAEgAAACQAAAASAAAAAAAAAABAAAAAAAAAAEAAABQAAAAAAAAAAAA4D8AAAAAAADgPwAAAAAAAOA/AAAAAAAA4D8AAAAAAADgPwAAAAAAAOA/AAAAAAAA4D8AAAAAAADgPwAAAAAAAOA/AAAAAAAA4D8CAAAAjAAAAAEAAAAAAAAARHLEDP///wgAAAAAAAAAAAAAAAAAAAAAAAAAAAAAAAAAAAAAZAAAAAEAAABAAAAAAAAAAAAAAAAAAAAAAAAAAAAAAAAAAAAAAAAAAAAAAAAAAAAAAAAAAAAAAAAAAAAAAAAAAAAAAAAAAAAAAAAAAAAAAAAAAAAAAAAAAAAAAAAAAAAAFAAAADwAAAABAAAAAAAAAAAAAAkUAAAAAQAAABQAAAAUAAAAFAAAAAEAAAAAAAAAZAAAAGQAAAAAAAAAZAAAAGQAAAAVAAAAYAAAAAAAAAAAAAAADwAAACADAAAAAAAAAAAAAAEAAACgMgAAVgcAAKr4//8BAAAAf39/AAEAAABkAAAAAAAAABQAAABAHwAAAAAAACYAAAAAAAAAwOD//wAAAAAmAAAAZAAAABYAAABMAAAAAAAAAAAAAAAEAAAAAAAAAAEAAADn5uYKAAAAACgAAAAoAAAAZAAAAGQAAAAAAAAAzMzMAAAAAABQAAAAUAAAAGQAAABkAAAAAAAAABcAAAAUAAAAAAAAAAAAAAD/fwAA/38AAAAAAAAJAAAABAAAAAAAAAAeAAAAaAAAAAAAAAAAAAAAAAAAAAAAAAAAAAAAECcAABAnAAAAAAAAAAAAAAAAAAAAAAAAAAAAAAAAAAAAAAAAAAAAABQAAAAAAAAAwMD/AAAAAABkAAAAMgAAAAAAAABkAAAAAAAAAH9/fwAKAAAAIgAAABgAAAAAAAAAAAAAAAAAAAAAAAAAAAAAAAAAAAAkAAAAJAAAAAAAAAAHAAAAAAAAAAAAAAAAAAAAAAAAAAAAAAAAAAAAf39/ACUAAABYAAAAAAAAAAAAAAAAAAAAAAAAAAAAAAAAAAAAAAAAAAAAAAAAAAAAAAAAAAAAAAA/AAAAAAAAAKCGAQAAAAAAAAAAAAAAAAAMAAAAAQAAAAAAAAAAAAAAAAAAAB8AAABUAAAAAAAABQAAAAEAAAAAAAAAAAAAAAAAAAAAAAAAAAAAAAAAAAAAAAAAAAAAAAJ/f38AAAAAA8zMzADAwP8Af39/AAAAAAAAAAAAAAAAAAAAAAAAAAAAIQAAABgAAAAUAAAACAcAADgEAAAoIwAAUBkAABAAAAAmAAAACAAAAP////8AAAAAMAAAABQAAAAAAAAAAAD//wAAAQAAAP//AAABAA=="/>
+                <pr:smNativeData xmlns="smNativeData" xmlns:pr="smNativeData" xmlns:p15="http://schemas.microsoft.com/office/powerpoint/2012/main" xmlns:p14="http://schemas.microsoft.com/office/powerpoint/2010/main" xmlns:mc="http://schemas.openxmlformats.org/markup-compatibility/2006" val="SMDATA_16_xzE7ZxMAAAAlAAAAZAAAAA8BAAAAkAAAAEgAAACQAAAASAAAAAAAAAABAAAAAAAAAAEAAABQAAAAAAAAAAAA4D8AAAAAAADgPwAAAAAAAOA/AAAAAAAA4D8AAAAAAADgPwAAAAAAAOA/AAAAAAAA4D8AAAAAAADgPwAAAAAAAOA/AAAAAAAA4D8CAAAAjAAAAAEAAAAAAAAARHLEDP///wgAAAAAAAAAAAAAAAAAAAAAAAAAAAAAAAAAAAAAZAAAAAEAAABAAAAAAAAAAAAAAAAAAAAAAAAAAAAAAAAAAAAAAAAAAAAAAAAAAAAAAAAAAAAAAAAAAAAAAAAAAAAAAAAAAAAAAAAAAAAAAAAAAAAAAAAAAAAAAAAAAAAAFAAAADwAAAABAAAAAAAAAAAAAAkUAAAAAQAAABQAAAAUAAAAFAAAAAEAAAAAAAAAZAAAAGQAAAAAAAAAZAAAAGQAAAAVAAAAYAAAAAAAAAAAAAAADwAAACADAAAAAAAAAAAAAAEAAACgMgAAVgcAAKr4//8BAAAAf39/AAEAAABkAAAAAAAAABQAAABAHwAAAAAAACYAAAAAAAAAwOD//wAAAAAmAAAAZAAAABYAAABMAAAAAAAAAAAAAAAEAAAAAAAAAAEAAADn5uYKAAAAACgAAAAoAAAAZAAAAGQAAAAAAAAAzMzMAAAAAABQAAAAUAAAAGQAAABkAAAAAAAAABcAAAAUAAAAAAAAAAAAAAD/fwAA/38AAAAAAAAJAAAABAAAAAAAAAAeAAAAaAAAAAAAAAAAAAAAAAAAAAAAAAAAAAAAECcAABAnAAAAAAAAAAAAAAAAAAAAAAAAAAAAAAAAAAAAAAAAAAAAABQAAAAAAAAAwMD/AAAAAABkAAAAMgAAAAAAAABkAAAAAAAAAH9/fwAKAAAAIgAAABgAAAAAAAAAAAAAAAAAAAAAAAAAAAAAAAAAAAAkAAAAJAAAAAAAAAAHAAAAAAAAAAAAAAAAAAAAAAAAAAAAAAAAAAAAf39/ACUAAABYAAAAAAAAAAAAAAAAAAAAAAAAAAAAAAAAAAAAAAAAAAAAAAAAAAAAAAAAAAAAAAA/AAAAAAAAAKCGAQAAAAAAAAAAAAAAAAAMAAAAAQAAAAAAAAAAAAAAAAAAAB8AAABUAAAAAAAABQAAAAEAAAAAAAAAAAAAAAAAAAAAAAAAAAAAAAAAAAAAAAAAAAAAAAJ/f38AAAAAA8zMzADAwP8Af39/AAAAAAAAAAAAAAAAAAAAAAAAAAAAIQAAABgAAAAUAAAACAcAADgEAAAoIwAAUBkAABAAAAAmAAAACAAAAP////8AAAAAMAAAABQAAAAAAAAAAAD//wAAAQAAAP//AAABAA=="/>
               </a:ext>
             </a:extLst>
           </p:cNvSpPr>
@@ -1012,8 +1012,8 @@
         </p:nvSpPr>
         <p:spPr>
           <a:xfrm>
-            <a:off x="1143000" y="685800"/>
-            <a:ext cx="4572000" cy="3429000"/>
+            <a:off x="381000" y="685800"/>
+            <a:ext cx="6096000" cy="3429000"/>
           </a:xfrm>
           <a:prstGeom prst="rect">
             <a:avLst/>
@@ -1027,7 +1027,7 @@
             <a:spLocks noGrp="1" noChangeArrowheads="1"/>
             <a:extLst>
               <a:ext uri="smNativeData">
-                <pr:smNativeData xmlns:mc="http://schemas.openxmlformats.org/markup-compatibility/2006" xmlns:p14="http://schemas.microsoft.com/office/powerpoint/2010/main" xmlns:p15="http://schemas.microsoft.com/office/powerpoint/2012/main" xmlns:pr="smNativeData" xmlns="smNativeData" val="SMDATA_16_xzE7ZxMAAAAlAAAAZAAAAA8BAAAAkAAAAEgAAACQAAAASAAAAAAAAAAAAAAAAAAAAAEAAABQAAAAAAAAAAAA4D8AAAAAAADgPwAAAAAAAOA/AAAAAAAA4D8AAAAAAADgPwAAAAAAAOA/AAAAAAAA4D8AAAAAAADgPwAAAAAAAOA/AAAAAAAA4D8CAAAAjAAAAAAAAAAAAAAARHLEDP///wgAAAAAAAAAAAAAAAAAAAAAAAAAAAAAAAAAAAAAZAAAAAEAAABAAAAAAAAAAAAAAAAAAAAAAAAAAAAAAAAAAAAAAAAAAAAAAAAAAAAAAAAAAAAAAAAAAAAAAAAAAAAAAAAAAAAAAAAAAAAAAAAAAAAAAAAAAAAAAAAAAAAAFAAAADwAAAAAAAAAAAAAAAAAAAkUAAAAAQAAABQAAAAUAAAAFAAAAAEAAAAAAAAAZAAAAGQAAAAAAAAAZAAAAGQAAAAVAAAAYAAAAAAAAAAAAAAADwAAACADAAAAAAAAAAAAAAEAAACgMgAAVgcAAKr4//8BAAAAf39/AAEAAABkAAAAAAAAABQAAABAHwAAAAAAACYAAAAAAAAAwOD//wAAAAAmAAAAZAAAABYAAABMAAAAAAAAAAAAAAAEAAAAAAAAAAEAAADn5uYKAAAAACgAAAAoAAAAZAAAAGQAAAAAAAAAzMzMAAAAAABQAAAAUAAAAGQAAABkAAAAAAAAABcAAAAUAAAAAAAAAAAAAAD/fwAA/38AAAAAAAAJAAAABAAAAAAAAAAeAAAAaAAAAAAAAAAAAAAAAAAAAAAAAAAAAAAAECcAABAnAAAAAAAAAAAAAAAAAAAAAAAAAAAAAAAAAAAAAAAAAAAAABQAAAAAAAAAwMD/AAAAAABkAAAAMgAAAAAAAABkAAAAAAAAAH9/fwAKAAAAIgAAABgAAAAAAAAAAAAAAAAAAAAAAAAAAAAAAAAAAAAkAAAAJAAAAAAAAAAHAAAAAAAAAAAAAAAAAAAAAAAAAAAAAAAAAAAAf39/ACUAAABYAAAAAAAAAAAAAAAAAAAAAAAAAAAAAAAAAAAAAAAAAAAAAAAAAAAAAAAAAAAAAAA/AAAAAAAAAKCGAQAAAAAAAAAAAAAAAAAMAAAAAQAAAAAAAAAAAAAAAAAAAB8AAABUAAAAAAAABQAAAAEAAAAAAAAAAAAAAAAAAAAAAAAAAAAAAAAAAAAAAAAAAAAAAAJ/f38AAAAAA8zMzADAwP8Af39/AAAAAAAAAAAAAAAAAAAAAAAAAAAAIQAAABgAAAAUAAAAOAQAALgaAAD4JQAACDQAABAAAAAmAAAACAAAAP////8AAAAAMAAAABQAAAAAAAAAAAD//wAAAQAAAP//AAABAA=="/>
+                <pr:smNativeData xmlns="smNativeData" xmlns:pr="smNativeData" xmlns:p15="http://schemas.microsoft.com/office/powerpoint/2012/main" xmlns:p14="http://schemas.microsoft.com/office/powerpoint/2010/main" xmlns:mc="http://schemas.openxmlformats.org/markup-compatibility/2006" val="SMDATA_16_xzE7ZxMAAAAlAAAAZAAAAA8BAAAAkAAAAEgAAACQAAAASAAAAAAAAAAAAAAAAAAAAAEAAABQAAAAAAAAAAAA4D8AAAAAAADgPwAAAAAAAOA/AAAAAAAA4D8AAAAAAADgPwAAAAAAAOA/AAAAAAAA4D8AAAAAAADgPwAAAAAAAOA/AAAAAAAA4D8CAAAAjAAAAAAAAAAAAAAARHLEDP///wgAAAAAAAAAAAAAAAAAAAAAAAAAAAAAAAAAAAAAZAAAAAEAAABAAAAAAAAAAAAAAAAAAAAAAAAAAAAAAAAAAAAAAAAAAAAAAAAAAAAAAAAAAAAAAAAAAAAAAAAAAAAAAAAAAAAAAAAAAAAAAAAAAAAAAAAAAAAAAAAAAAAAFAAAADwAAAAAAAAAAAAAAAAAAAkUAAAAAQAAABQAAAAUAAAAFAAAAAEAAAAAAAAAZAAAAGQAAAAAAAAAZAAAAGQAAAAVAAAAYAAAAAAAAAAAAAAADwAAACADAAAAAAAAAAAAAAEAAACgMgAAVgcAAKr4//8BAAAAf39/AAEAAABkAAAAAAAAABQAAABAHwAAAAAAACYAAAAAAAAAwOD//wAAAAAmAAAAZAAAABYAAABMAAAAAAAAAAAAAAAEAAAAAAAAAAEAAADn5uYKAAAAACgAAAAoAAAAZAAAAGQAAAAAAAAAzMzMAAAAAABQAAAAUAAAAGQAAABkAAAAAAAAABcAAAAUAAAAAAAAAAAAAAD/fwAA/38AAAAAAAAJAAAABAAAAAAAAAAeAAAAaAAAAAAAAAAAAAAAAAAAAAAAAAAAAAAAECcAABAnAAAAAAAAAAAAAAAAAAAAAAAAAAAAAAAAAAAAAAAAAAAAABQAAAAAAAAAwMD/AAAAAABkAAAAMgAAAAAAAABkAAAAAAAAAH9/fwAKAAAAIgAAABgAAAAAAAAAAAAAAAAAAAAAAAAAAAAAAAAAAAAkAAAAJAAAAAAAAAAHAAAAAAAAAAAAAAAAAAAAAAAAAAAAAAAAAAAAf39/ACUAAABYAAAAAAAAAAAAAAAAAAAAAAAAAAAAAAAAAAAAAAAAAAAAAAAAAAAAAAAAAAAAAAA/AAAAAAAAAKCGAQAAAAAAAAAAAAAAAAAMAAAAAQAAAAAAAAAAAAAAAAAAAB8AAABUAAAAAAAABQAAAAEAAAAAAAAAAAAAAAAAAAAAAAAAAAAAAAAAAAAAAAAAAAAAAAJ/f38AAAAAA8zMzADAwP8Af39/AAAAAAAAAAAAAAAAAAAAAAAAAAAAIQAAABgAAAAUAAAAOAQAALgaAAD4JQAACDQAABAAAAAmAAAACAAAAP////8AAAAAMAAAABQAAAAAAAAAAAD//wAAAQAAAP//AAABAA=="/>
               </a:ext>
             </a:extLst>
           </p:cNvSpPr>
@@ -1099,7 +1099,7 @@
             <a:spLocks noGrp="1" noRot="1" noChangeAspect="1" noChangeArrowheads="1"/>
             <a:extLst>
               <a:ext uri="smNativeData">
-                <pr:smNativeData xmlns:mc="http://schemas.openxmlformats.org/markup-compatibility/2006" xmlns:p14="http://schemas.microsoft.com/office/powerpoint/2010/main" xmlns:p15="http://schemas.microsoft.com/office/powerpoint/2012/main" xmlns:pr="smNativeData" xmlns="smNativeData" val="SMDATA_16_xzE7ZxMAAAAlAAAAZAAAAA8BAAAAkAAAAEgAAACQAAAASAAAAAAAAAABAAAAAAAAAAEAAABQAAAAAAAAAAAA4D8AAAAAAADgPwAAAAAAAOA/AAAAAAAA4D8AAAAAAADgPwAAAAAAAOA/AAAAAAAA4D8AAAAAAADgPwAAAAAAAOA/AAAAAAAA4D8CAAAAjAAAAAEAAAAAAAAARHLEDP///wgAAAAAAAAAAAAAAAAAAAAAAAAAAAAAAAAAAAAAZAAAAAEAAABAAAAAAAAAAAAAAAAAAAAAAAAAAAAAAAAAAAAAAAAAAAAAAAAAAAAAAAAAAAAAAAAAAAAAAAAAAAAAAAAAAAAAAAAAAAAAAAAAAAAAAAAAAAAAAAAAAAAAFAAAADwAAAABAAAAAAAAAAAAAAkUAAAAAQAAABQAAAAUAAAAFAAAAAEAAAAAAAAAZAAAAGQAAAAAAAAAZAAAAGQAAAAVAAAAYAAAAAAAAAAAAAAADwAAACADAAAAAAAAAAAAAAEAAACgMgAAVgcAAKr4//8BAAAAf39/AAEAAABkAAAAAAAAABQAAABAHwAAAAAAACYAAAAAAAAAwOD//wAAAAAmAAAAZAAAABYAAABMAAAAAAAAAAAAAAAEAAAAAAAAAAEAAADn5uYKAAAAACgAAAAoAAAAZAAAAGQAAAAAAAAAzMzMAAAAAABQAAAAUAAAAGQAAABkAAAAAAAAABcAAAAUAAAAAAAAAAAAAAD/fwAA/38AAAAAAAAJAAAABAAAAAAAAAAeAAAAaAAAAAAAAAAAAAAAAAAAAAAAAAAAAAAAECcAABAnAAAAAAAAAAAAAAAAAAAAAAAAAAAAAAAAAAAAAAAAAAAAABQAAAAAAAAAwMD/AAAAAABkAAAAMgAAAAAAAABkAAAAAAAAAH9/fwAKAAAAIgAAABgAAAAAAAAAAAAAAAAAAAAAAAAAAAAAAAAAAAAkAAAAJAAAAAAAAAAHAAAAAAAAAAAAAAAAAAAAAAAAAAAAAAAAAAAAf39/ACUAAABYAAAAAAAAAAAAAAAAAAAAAAAAAAAAAAAAAAAAAAAAAAAAAAAAAAAAAAAAAAAAAAA/AAAAAAAAAKCGAQAAAAAAAAAAAAAAAAAMAAAAAQAAAAAAAAAAAAAAAAAAAB8AAABUAAAAAAAABQAAAAEAAAAAAAAAAAAAAAAAAAAAAAAAAAAAAAAAAAAAAAAAAAAAAAJ/f38AAAAAA8zMzADAwP8Af39/AAAAAAAAAAAAAAAAAAAAAAAAAAAAIQAAABgAAAAUAAAACAcAADgEAAAoIwAAUBkAABAAAAAmAAAACAAAAP////8AAAAAMAAAABQAAAAAAAAAAAD//wAAAQAAAP//AAABAA=="/>
+                <pr:smNativeData xmlns="smNativeData" xmlns:pr="smNativeData" xmlns:p15="http://schemas.microsoft.com/office/powerpoint/2012/main" xmlns:p14="http://schemas.microsoft.com/office/powerpoint/2010/main" xmlns:mc="http://schemas.openxmlformats.org/markup-compatibility/2006" val="SMDATA_16_xzE7ZxMAAAAlAAAAZAAAAA8BAAAAkAAAAEgAAACQAAAASAAAAAAAAAABAAAAAAAAAAEAAABQAAAAAAAAAAAA4D8AAAAAAADgPwAAAAAAAOA/AAAAAAAA4D8AAAAAAADgPwAAAAAAAOA/AAAAAAAA4D8AAAAAAADgPwAAAAAAAOA/AAAAAAAA4D8CAAAAjAAAAAEAAAAAAAAARHLEDP///wgAAAAAAAAAAAAAAAAAAAAAAAAAAAAAAAAAAAAAZAAAAAEAAABAAAAAAAAAAAAAAAAAAAAAAAAAAAAAAAAAAAAAAAAAAAAAAAAAAAAAAAAAAAAAAAAAAAAAAAAAAAAAAAAAAAAAAAAAAAAAAAAAAAAAAAAAAAAAAAAAAAAAFAAAADwAAAABAAAAAAAAAAAAAAkUAAAAAQAAABQAAAAUAAAAFAAAAAEAAAAAAAAAZAAAAGQAAAAAAAAAZAAAAGQAAAAVAAAAYAAAAAAAAAAAAAAADwAAACADAAAAAAAAAAAAAAEAAACgMgAAVgcAAKr4//8BAAAAf39/AAEAAABkAAAAAAAAABQAAABAHwAAAAAAACYAAAAAAAAAwOD//wAAAAAmAAAAZAAAABYAAABMAAAAAAAAAAAAAAAEAAAAAAAAAAEAAADn5uYKAAAAACgAAAAoAAAAZAAAAGQAAAAAAAAAzMzMAAAAAABQAAAAUAAAAGQAAABkAAAAAAAAABcAAAAUAAAAAAAAAAAAAAD/fwAA/38AAAAAAAAJAAAABAAAAAAAAAAeAAAAaAAAAAAAAAAAAAAAAAAAAAAAAAAAAAAAECcAABAnAAAAAAAAAAAAAAAAAAAAAAAAAAAAAAAAAAAAAAAAAAAAABQAAAAAAAAAwMD/AAAAAABkAAAAMgAAAAAAAABkAAAAAAAAAH9/fwAKAAAAIgAAABgAAAAAAAAAAAAAAAAAAAAAAAAAAAAAAAAAAAAkAAAAJAAAAAAAAAAHAAAAAAAAAAAAAAAAAAAAAAAAAAAAAAAAAAAAf39/ACUAAABYAAAAAAAAAAAAAAAAAAAAAAAAAAAAAAAAAAAAAAAAAAAAAAAAAAAAAAAAAAAAAAA/AAAAAAAAAKCGAQAAAAAAAAAAAAAAAAAMAAAAAQAAAAAAAAAAAAAAAAAAAB8AAABUAAAAAAAABQAAAAEAAAAAAAAAAAAAAAAAAAAAAAAAAAAAAAAAAAAAAAAAAAAAAAJ/f38AAAAAA8zMzADAwP8Af39/AAAAAAAAAAAAAAAAAAAAAAAAAAAAIQAAABgAAAAUAAAACAcAADgEAAAoIwAAUBkAABAAAAAmAAAACAAAAP////8AAAAAMAAAABQAAAAAAAAAAAD//wAAAQAAAP//AAABAA=="/>
               </a:ext>
             </a:extLst>
           </p:cNvSpPr>
@@ -1124,7 +1124,7 @@
             <a:spLocks noGrp="1" noChangeArrowheads="1"/>
             <a:extLst>
               <a:ext uri="smNativeData">
-                <pr:smNativeData xmlns:mc="http://schemas.openxmlformats.org/markup-compatibility/2006" xmlns:p14="http://schemas.microsoft.com/office/powerpoint/2010/main" xmlns:p15="http://schemas.microsoft.com/office/powerpoint/2012/main" xmlns:pr="smNativeData" xmlns="smNativeData" val="SMDATA_16_xzE7ZxMAAAAlAAAAZAAAAA8BAAAAkAAAAEgAAACQAAAASAAAAAAAAAAAAAAAAAAAAAEAAABQAAAAAAAAAAAA4D8AAAAAAADgPwAAAAAAAOA/AAAAAAAA4D8AAAAAAADgPwAAAAAAAOA/AAAAAAAA4D8AAAAAAADgPwAAAAAAAOA/AAAAAAAA4D8CAAAAjAAAAAAAAAAAAAAARHLEDP///wgAAAAAAAAAAAAAAAAAAAAAAAAAAAAAAAAAAAAAZAAAAAEAAABAAAAAAAAAAAAAAAAAAAAAAAAAAAAAAAAAAAAAAAAAAAAAAAAAAAAAAAAAAAAAAAAAAAAAAAAAAAAAAAAAAAAAAAAAAAAAAAAAAAAAAAAAAAAAAAAAAAAAFAAAADwAAAAAAAAAAAAAAAAAAAkUAAAAAQAAABQAAAAUAAAAFAAAAAEAAAAAAAAAZAAAAGQAAAAAAAAAZAAAAGQAAAAVAAAAYAAAAAAAAAAAAAAADwAAACADAAAAAAAAAAAAAAEAAACgMgAAVgcAAKr4//8BAAAAf39/AAEAAABkAAAAAAAAABQAAABAHwAAAAAAACYAAAAAAAAAwOD//wAAAAAmAAAAZAAAABYAAABMAAAAAAAAAAAAAAAEAAAAAAAAAAEAAADn5uYKAAAAACgAAAAoAAAAZAAAAGQAAAAAAAAAzMzMAAAAAABQAAAAUAAAAGQAAABkAAAAAAAAABcAAAAUAAAAAAAAAAAAAAD/fwAA/38AAAAAAAAJAAAABAAAALCOc7seAAAAaAAAAAAAAAAAAAAAAAAAAAAAAAAAAAAAECcAABAnAAAAAAAAAAAAAAAAAAAAAAAAAAAAAAAAAAAAAAAAAAAAABQAAAAAAAAAwMD/AAAAAABkAAAAMgAAAAAAAABkAAAAAAAAAH9/fwAKAAAAIgAAABgAAAAAAAAAAAAAAAAAAAAAAAAAAAAAAAAAAAAkAAAAJAAAAAAAAAAHAAAAAAAAAAAAAAAAAAAAAAAAAAAAAAAAAAAAf39/ACUAAABYAAAAAAAAAAAAAAAAAAAAAAAAAAAAAAAAAAAAAAAAAAAAAAAAAAAAAAAAAAAAAAA/AAAAAAAAAKCGAQAAAAAAAAAAAAAAAAAMAAAAAQAAAAAAAAAAAAAAAAAAAB8AAABUAAAAAAAABQAAAAEAAAAAAAAAAAAAAAAAAAAAAAAAAAAAAAAAAAAAAAAAAAAAAAJ/f38AAAAAA8zMzADAwP8Af39/AAAAAAAAAAAAAAAAAAAAAAAAAAAAIQAAABgAAAAUAAAAOAQAALgaAAD4JQAACDQAABAAAAAmAAAACAAAAP////8AAAAAMAAAABQAAAAAAAAAAAD//wAAAQAAAP//AAABAA=="/>
+                <pr:smNativeData xmlns="smNativeData" xmlns:pr="smNativeData" xmlns:p15="http://schemas.microsoft.com/office/powerpoint/2012/main" xmlns:p14="http://schemas.microsoft.com/office/powerpoint/2010/main" xmlns:mc="http://schemas.openxmlformats.org/markup-compatibility/2006" val="SMDATA_16_xzE7ZxMAAAAlAAAAZAAAAA8BAAAAkAAAAEgAAACQAAAASAAAAAAAAAAAAAAAAAAAAAEAAABQAAAAAAAAAAAA4D8AAAAAAADgPwAAAAAAAOA/AAAAAAAA4D8AAAAAAADgPwAAAAAAAOA/AAAAAAAA4D8AAAAAAADgPwAAAAAAAOA/AAAAAAAA4D8CAAAAjAAAAAAAAAAAAAAARHLEDP///wgAAAAAAAAAAAAAAAAAAAAAAAAAAAAAAAAAAAAAZAAAAAEAAABAAAAAAAAAAAAAAAAAAAAAAAAAAAAAAAAAAAAAAAAAAAAAAAAAAAAAAAAAAAAAAAAAAAAAAAAAAAAAAAAAAAAAAAAAAAAAAAAAAAAAAAAAAAAAAAAAAAAAFAAAADwAAAAAAAAAAAAAAAAAAAkUAAAAAQAAABQAAAAUAAAAFAAAAAEAAAAAAAAAZAAAAGQAAAAAAAAAZAAAAGQAAAAVAAAAYAAAAAAAAAAAAAAADwAAACADAAAAAAAAAAAAAAEAAACgMgAAVgcAAKr4//8BAAAAf39/AAEAAABkAAAAAAAAABQAAABAHwAAAAAAACYAAAAAAAAAwOD//wAAAAAmAAAAZAAAABYAAABMAAAAAAAAAAAAAAAEAAAAAAAAAAEAAADn5uYKAAAAACgAAAAoAAAAZAAAAGQAAAAAAAAAzMzMAAAAAABQAAAAUAAAAGQAAABkAAAAAAAAABcAAAAUAAAAAAAAAAAAAAD/fwAA/38AAAAAAAAJAAAABAAAALCOc7seAAAAaAAAAAAAAAAAAAAAAAAAAAAAAAAAAAAAECcAABAnAAAAAAAAAAAAAAAAAAAAAAAAAAAAAAAAAAAAAAAAAAAAABQAAAAAAAAAwMD/AAAAAABkAAAAMgAAAAAAAABkAAAAAAAAAH9/fwAKAAAAIgAAABgAAAAAAAAAAAAAAAAAAAAAAAAAAAAAAAAAAAAkAAAAJAAAAAAAAAAHAAAAAAAAAAAAAAAAAAAAAAAAAAAAAAAAAAAAf39/ACUAAABYAAAAAAAAAAAAAAAAAAAAAAAAAAAAAAAAAAAAAAAAAAAAAAAAAAAAAAAAAAAAAAA/AAAAAAAAAKCGAQAAAAAAAAAAAAAAAAAMAAAAAQAAAAAAAAAAAAAAAAAAAB8AAABUAAAAAAAABQAAAAEAAAAAAAAAAAAAAAAAAAAAAAAAAAAAAAAAAAAAAAAAAAAAAAJ/f38AAAAAA8zMzADAwP8Af39/AAAAAAAAAAAAAAAAAAAAAAAAAAAAIQAAABgAAAAUAAAAOAQAALgaAAD4JQAACDQAABAAAAAmAAAACAAAAP////8AAAAAMAAAABQAAAAAAAAAAAD//wAAAQAAAP//AAABAA=="/>
               </a:ext>
             </a:extLst>
           </p:cNvSpPr>
@@ -1196,7 +1196,7 @@
             <a:spLocks noGrp="1" noRot="1" noChangeAspect="1" noChangeArrowheads="1"/>
             <a:extLst>
               <a:ext uri="smNativeData">
-                <pr:smNativeData xmlns:mc="http://schemas.openxmlformats.org/markup-compatibility/2006" xmlns:p14="http://schemas.microsoft.com/office/powerpoint/2010/main" xmlns:p15="http://schemas.microsoft.com/office/powerpoint/2012/main" xmlns:pr="smNativeData" xmlns="smNativeData" val="SMDATA_16_xzE7ZxMAAAAlAAAAZAAAAA8BAAAAkAAAAEgAAACQAAAASAAAAAAAAAABAAAAAAAAAAEAAABQAAAAAAAAAAAA4D8AAAAAAADgPwAAAAAAAOA/AAAAAAAA4D8AAAAAAADgPwAAAAAAAOA/AAAAAAAA4D8AAAAAAADgPwAAAAAAAOA/AAAAAAAA4D8CAAAAjAAAAAEAAAAAAAAARHLEDP///wgAAAAAAAAAAAAAAAAAAAAAAAAAAAAAAAAAAAAAZAAAAAEAAABAAAAAAAAAAAAAAAAAAAAAAAAAAAAAAAAAAAAAAAAAAAAAAAAAAAAAAAAAAAAAAAAAAAAAAAAAAAAAAAAAAAAAAAAAAAAAAAAAAAAAAAAAAAAAAAAAAAAAFAAAADwAAAABAAAAAAAAAAAAAAkUAAAAAQAAABQAAAAUAAAAFAAAAAEAAAAAAAAAZAAAAGQAAAAAAAAAZAAAAGQAAAAVAAAAYAAAAAAAAAAAAAAADwAAACADAAAAAAAAAAAAAAEAAACgMgAAVgcAAKr4//8BAAAAf39/AAEAAABkAAAAAAAAABQAAABAHwAAAAAAACYAAAAAAAAAwOD//wAAAAAmAAAAZAAAABYAAABMAAAAAAAAAAAAAAAEAAAAAAAAAAEAAADn5uYKAAAAACgAAAAoAAAAZAAAAGQAAAAAAAAAzMzMAAAAAABQAAAAUAAAAGQAAABkAAAAAAAAABcAAAAUAAAAAAAAAAAAAAD/fwAA/38AAAAAAAAJAAAABAAAAAAAAAAeAAAAaAAAAAAAAAAAAAAAAAAAAAAAAAAAAAAAECcAABAnAAAAAAAAAAAAAAAAAAAAAAAAAAAAAAAAAAAAAAAAAAAAABQAAAAAAAAAwMD/AAAAAABkAAAAMgAAAAAAAABkAAAAAAAAAH9/fwAKAAAAIgAAABgAAAAAAAAAAAAAAAAAAAAAAAAAAAAAAAAAAAAkAAAAJAAAAAAAAAAHAAAAAAAAAAAAAAAAAAAAAAAAAAAAAAAAAAAAf39/ACUAAABYAAAAAAAAAAAAAAAAAAAAAAAAAAAAAAAAAAAAAAAAAAAAAAAAAAAAAAAAAAAAAAA/AAAAAAAAAKCGAQAAAAAAAAAAAAAAAAAMAAAAAQAAAAAAAAAAAAAAAAAAAB8AAABUAAAAAAAABQAAAAEAAAAAAAAAAAAAAAAAAAAAAAAAAAAAAAAAAAAAAAAAAAAAAAJ/f38AAAAAA8zMzADAwP8Af39/AAAAAAAAAAAAAAAAAAAAAAAAAAAAIQAAABgAAAAUAAAACAcAADgEAAAoIwAAUBkAABAAAAAmAAAACAAAAP////8AAAAAMAAAABQAAAAAAAAAAAD//wAAAQAAAP//AAABAA=="/>
+                <pr:smNativeData xmlns="smNativeData" xmlns:pr="smNativeData" xmlns:p15="http://schemas.microsoft.com/office/powerpoint/2012/main" xmlns:p14="http://schemas.microsoft.com/office/powerpoint/2010/main" xmlns:mc="http://schemas.openxmlformats.org/markup-compatibility/2006" val="SMDATA_16_xzE7ZxMAAAAlAAAAZAAAAA8BAAAAkAAAAEgAAACQAAAASAAAAAAAAAABAAAAAAAAAAEAAABQAAAAAAAAAAAA4D8AAAAAAADgPwAAAAAAAOA/AAAAAAAA4D8AAAAAAADgPwAAAAAAAOA/AAAAAAAA4D8AAAAAAADgPwAAAAAAAOA/AAAAAAAA4D8CAAAAjAAAAAEAAAAAAAAARHLEDP///wgAAAAAAAAAAAAAAAAAAAAAAAAAAAAAAAAAAAAAZAAAAAEAAABAAAAAAAAAAAAAAAAAAAAAAAAAAAAAAAAAAAAAAAAAAAAAAAAAAAAAAAAAAAAAAAAAAAAAAAAAAAAAAAAAAAAAAAAAAAAAAAAAAAAAAAAAAAAAAAAAAAAAFAAAADwAAAABAAAAAAAAAAAAAAkUAAAAAQAAABQAAAAUAAAAFAAAAAEAAAAAAAAAZAAAAGQAAAAAAAAAZAAAAGQAAAAVAAAAYAAAAAAAAAAAAAAADwAAACADAAAAAAAAAAAAAAEAAACgMgAAVgcAAKr4//8BAAAAf39/AAEAAABkAAAAAAAAABQAAABAHwAAAAAAACYAAAAAAAAAwOD//wAAAAAmAAAAZAAAABYAAABMAAAAAAAAAAAAAAAEAAAAAAAAAAEAAADn5uYKAAAAACgAAAAoAAAAZAAAAGQAAAAAAAAAzMzMAAAAAABQAAAAUAAAAGQAAABkAAAAAAAAABcAAAAUAAAAAAAAAAAAAAD/fwAA/38AAAAAAAAJAAAABAAAAAAAAAAeAAAAaAAAAAAAAAAAAAAAAAAAAAAAAAAAAAAAECcAABAnAAAAAAAAAAAAAAAAAAAAAAAAAAAAAAAAAAAAAAAAAAAAABQAAAAAAAAAwMD/AAAAAABkAAAAMgAAAAAAAABkAAAAAAAAAH9/fwAKAAAAIgAAABgAAAAAAAAAAAAAAAAAAAAAAAAAAAAAAAAAAAAkAAAAJAAAAAAAAAAHAAAAAAAAAAAAAAAAAAAAAAAAAAAAAAAAAAAAf39/ACUAAABYAAAAAAAAAAAAAAAAAAAAAAAAAAAAAAAAAAAAAAAAAAAAAAAAAAAAAAAAAAAAAAA/AAAAAAAAAKCGAQAAAAAAAAAAAAAAAAAMAAAAAQAAAAAAAAAAAAAAAAAAAB8AAABUAAAAAAAABQAAAAEAAAAAAAAAAAAAAAAAAAAAAAAAAAAAAAAAAAAAAAAAAAAAAAJ/f38AAAAAA8zMzADAwP8Af39/AAAAAAAAAAAAAAAAAAAAAAAAAAAAIQAAABgAAAAUAAAACAcAADgEAAAoIwAAUBkAABAAAAAmAAAACAAAAP////8AAAAAMAAAABQAAAAAAAAAAAD//wAAAQAAAP//AAABAA=="/>
               </a:ext>
             </a:extLst>
           </p:cNvSpPr>
@@ -1221,7 +1221,7 @@
             <a:spLocks noGrp="1" noChangeArrowheads="1"/>
             <a:extLst>
               <a:ext uri="smNativeData">
-                <pr:smNativeData xmlns:mc="http://schemas.openxmlformats.org/markup-compatibility/2006" xmlns:p14="http://schemas.microsoft.com/office/powerpoint/2010/main" xmlns:p15="http://schemas.microsoft.com/office/powerpoint/2012/main" xmlns:pr="smNativeData" xmlns="smNativeData" val="SMDATA_16_xzE7ZxMAAAAlAAAAZAAAAA8BAAAAkAAAAEgAAACQAAAASAAAAAAAAAAAAAAAAAAAAAEAAABQAAAAAAAAAAAA4D8AAAAAAADgPwAAAAAAAOA/AAAAAAAA4D8AAAAAAADgPwAAAAAAAOA/AAAAAAAA4D8AAAAAAADgPwAAAAAAAOA/AAAAAAAA4D8CAAAAjAAAAAAAAAAAAAAARHLEDP///wgAAAAAAAAAAAAAAAAAAAAAAAAAAAAAAAAAAAAAZAAAAAEAAABAAAAAAAAAAAAAAAAAAAAAAAAAAAAAAAAAAAAAAAAAAAAAAAAAAAAAAAAAAAAAAAAAAAAAAAAAAAAAAAAAAAAAAAAAAAAAAAAAAAAAAAAAAAAAAAAAAAAAFAAAADwAAAAAAAAAAAAAAAAAAAkUAAAAAQAAABQAAAAUAAAAFAAAAAEAAAAAAAAAZAAAAGQAAAAAAAAAZAAAAGQAAAAVAAAAYAAAAAAAAAAAAAAADwAAACADAAAAAAAAAAAAAAEAAACgMgAAVgcAAKr4//8BAAAAf39/AAEAAABkAAAAAAAAABQAAABAHwAAAAAAACYAAAAAAAAAwOD//wAAAAAmAAAAZAAAABYAAABMAAAAAAAAAAAAAAAEAAAAAAAAAAEAAADn5uYKAAAAACgAAAAoAAAAZAAAAGQAAAAAAAAAzMzMAAAAAABQAAAAUAAAAGQAAABkAAAAAAAAABcAAAAUAAAAAAAAAAAAAAD/fwAA/38AAAAAAAAJAAAABAAAAAAAAAAeAAAAaAAAAAAAAAAAAAAAAAAAAAAAAAAAAAAAECcAABAnAAAAAAAAAAAAAAAAAAAAAAAAAAAAAAAAAAAAAAAAAAAAABQAAAAAAAAAwMD/AAAAAABkAAAAMgAAAAAAAABkAAAAAAAAAH9/fwAKAAAAIgAAABgAAAAAAAAAAAAAAAAAAAAAAAAAAAAAAAAAAAAkAAAAJAAAAAAAAAAHAAAAAAAAAAAAAAAAAAAAAAAAAAAAAAAAAAAAf39/ACUAAABYAAAAAAAAAAAAAAAAAAAAAAAAAAAAAAAAAAAAAAAAAAAAAAAAAAAAAAAAAAAAAAA/AAAAAAAAAKCGAQAAAAAAAAAAAAAAAAAMAAAAAQAAAAAAAAAAAAAAAAAAAB8AAABUAAAAAAAABQAAAAEAAAAAAAAAAAAAAAAAAAAAAAAAAAAAAAAAAAAAAAAAAAAAAAJ/f38AAAAAA8zMzADAwP8Af39/AAAAAAAAAAAAAAAAAAAAAAAAAAAAIQAAABgAAAAUAAAAOAQAALgaAAD4JQAACDQAABAAAAAmAAAACAAAAP////8AAAAAMAAAABQAAAAAAAAAAAD//wAAAQAAAP//AAABAA=="/>
+                <pr:smNativeData xmlns="smNativeData" xmlns:pr="smNativeData" xmlns:p15="http://schemas.microsoft.com/office/powerpoint/2012/main" xmlns:p14="http://schemas.microsoft.com/office/powerpoint/2010/main" xmlns:mc="http://schemas.openxmlformats.org/markup-compatibility/2006" val="SMDATA_16_xzE7ZxMAAAAlAAAAZAAAAA8BAAAAkAAAAEgAAACQAAAASAAAAAAAAAAAAAAAAAAAAAEAAABQAAAAAAAAAAAA4D8AAAAAAADgPwAAAAAAAOA/AAAAAAAA4D8AAAAAAADgPwAAAAAAAOA/AAAAAAAA4D8AAAAAAADgPwAAAAAAAOA/AAAAAAAA4D8CAAAAjAAAAAAAAAAAAAAARHLEDP///wgAAAAAAAAAAAAAAAAAAAAAAAAAAAAAAAAAAAAAZAAAAAEAAABAAAAAAAAAAAAAAAAAAAAAAAAAAAAAAAAAAAAAAAAAAAAAAAAAAAAAAAAAAAAAAAAAAAAAAAAAAAAAAAAAAAAAAAAAAAAAAAAAAAAAAAAAAAAAAAAAAAAAFAAAADwAAAAAAAAAAAAAAAAAAAkUAAAAAQAAABQAAAAUAAAAFAAAAAEAAAAAAAAAZAAAAGQAAAAAAAAAZAAAAGQAAAAVAAAAYAAAAAAAAAAAAAAADwAAACADAAAAAAAAAAAAAAEAAACgMgAAVgcAAKr4//8BAAAAf39/AAEAAABkAAAAAAAAABQAAABAHwAAAAAAACYAAAAAAAAAwOD//wAAAAAmAAAAZAAAABYAAABMAAAAAAAAAAAAAAAEAAAAAAAAAAEAAADn5uYKAAAAACgAAAAoAAAAZAAAAGQAAAAAAAAAzMzMAAAAAABQAAAAUAAAAGQAAABkAAAAAAAAABcAAAAUAAAAAAAAAAAAAAD/fwAA/38AAAAAAAAJAAAABAAAAAAAAAAeAAAAaAAAAAAAAAAAAAAAAAAAAAAAAAAAAAAAECcAABAnAAAAAAAAAAAAAAAAAAAAAAAAAAAAAAAAAAAAAAAAAAAAABQAAAAAAAAAwMD/AAAAAABkAAAAMgAAAAAAAABkAAAAAAAAAH9/fwAKAAAAIgAAABgAAAAAAAAAAAAAAAAAAAAAAAAAAAAAAAAAAAAkAAAAJAAAAAAAAAAHAAAAAAAAAAAAAAAAAAAAAAAAAAAAAAAAAAAAf39/ACUAAABYAAAAAAAAAAAAAAAAAAAAAAAAAAAAAAAAAAAAAAAAAAAAAAAAAAAAAAAAAAAAAAA/AAAAAAAAAKCGAQAAAAAAAAAAAAAAAAAMAAAAAQAAAAAAAAAAAAAAAAAAAB8AAABUAAAAAAAABQAAAAEAAAAAAAAAAAAAAAAAAAAAAAAAAAAAAAAAAAAAAAAAAAAAAAJ/f38AAAAAA8zMzADAwP8Af39/AAAAAAAAAAAAAAAAAAAAAAAAAAAAIQAAABgAAAAUAAAAOAQAALgaAAD4JQAACDQAABAAAAAmAAAACAAAAP////8AAAAAMAAAABQAAAAAAAAAAAD//wAAAQAAAP//AAABAA=="/>
               </a:ext>
             </a:extLst>
           </p:cNvSpPr>
@@ -1293,7 +1293,7 @@
             <a:spLocks noGrp="1" noRot="1" noChangeAspect="1" noChangeArrowheads="1"/>
             <a:extLst>
               <a:ext uri="smNativeData">
-                <pr:smNativeData xmlns:mc="http://schemas.openxmlformats.org/markup-compatibility/2006" xmlns:p14="http://schemas.microsoft.com/office/powerpoint/2010/main" xmlns:p15="http://schemas.microsoft.com/office/powerpoint/2012/main" xmlns:pr="smNativeData" xmlns="smNativeData" val="SMDATA_16_xzE7ZxMAAAAlAAAAZAAAAA8BAAAAkAAAAEgAAACQAAAASAAAAAAAAAABAAAAAAAAAAEAAABQAAAAAAAAAAAA4D8AAAAAAADgPwAAAAAAAOA/AAAAAAAA4D8AAAAAAADgPwAAAAAAAOA/AAAAAAAA4D8AAAAAAADgPwAAAAAAAOA/AAAAAAAA4D8CAAAAjAAAAAEAAAAAAAAARHLEDP///wgAAAAAAAAAAAAAAAAAAAAAAAAAAAAAAAAAAAAAZAAAAAEAAABAAAAAAAAAAAAAAAAAAAAAAAAAAAAAAAAAAAAAAAAAAAAAAAAAAAAAAAAAAAAAAAAAAAAAAAAAAAAAAAAAAAAAAAAAAAAAAAAAAAAAAAAAAAAAAAAAAAAAFAAAADwAAAABAAAAAAAAAAAAAAkUAAAAAQAAABQAAAAUAAAAFAAAAAEAAAAAAAAAZAAAAGQAAAAAAAAAZAAAAGQAAAAVAAAAYAAAAAAAAAAAAAAADwAAACADAAAAAAAAAAAAAAEAAACgMgAAVgcAAKr4//8BAAAAf39/AAEAAABkAAAAAAAAABQAAABAHwAAAAAAACYAAAAAAAAAwOD//wAAAAAmAAAAZAAAABYAAABMAAAAAAAAAAAAAAAEAAAAAAAAAAEAAADn5uYKAAAAACgAAAAoAAAAZAAAAGQAAAAAAAAAzMzMAAAAAABQAAAAUAAAAGQAAABkAAAAAAAAABcAAAAUAAAAAAAAAAAAAAD/fwAA/38AAAAAAAAJAAAABAAAAIgAAAAeAAAAaAAAAAAAAAAAAAAAAAAAAAAAAAAAAAAAECcAABAnAAAAAAAAAAAAAAAAAAAAAAAAAAAAAAAAAAAAAAAAAAAAABQAAAAAAAAAwMD/AAAAAABkAAAAMgAAAAAAAABkAAAAAAAAAH9/fwAKAAAAIgAAABgAAAAAAAAAAAAAAAAAAAAAAAAAAAAAAAAAAAAkAAAAJAAAAAAAAAAHAAAAAAAAAAAAAAAAAAAAAAAAAAAAAAAAAAAAf39/ACUAAABYAAAAAAAAAAAAAAAAAAAAAAAAAAAAAAAAAAAAAAAAAAAAAAAAAAAAAAAAAAAAAAA/AAAAAAAAAKCGAQAAAAAAAAAAAAAAAAAMAAAAAQAAAAAAAAAAAAAAAAAAAB8AAABUAAAAAAAABQAAAAEAAAAAAAAAAAAAAAAAAAAAAAAAAAAAAAAAAAAAAAAAAAAAAAJ/f38AAAAAA8zMzADAwP8Af39/AAAAAAAAAAAAAAAAAAAAAAAAAAAAIQAAABgAAAAUAAAACAcAADgEAAAoIwAAUBkAABAAAAAmAAAACAAAAP////8AAAAAMAAAABQAAAAAAAAAAAD//wAAAQAAAP//AAABAA=="/>
+                <pr:smNativeData xmlns="smNativeData" xmlns:pr="smNativeData" xmlns:p15="http://schemas.microsoft.com/office/powerpoint/2012/main" xmlns:p14="http://schemas.microsoft.com/office/powerpoint/2010/main" xmlns:mc="http://schemas.openxmlformats.org/markup-compatibility/2006" val="SMDATA_16_xzE7ZxMAAAAlAAAAZAAAAA8BAAAAkAAAAEgAAACQAAAASAAAAAAAAAABAAAAAAAAAAEAAABQAAAAAAAAAAAA4D8AAAAAAADgPwAAAAAAAOA/AAAAAAAA4D8AAAAAAADgPwAAAAAAAOA/AAAAAAAA4D8AAAAAAADgPwAAAAAAAOA/AAAAAAAA4D8CAAAAjAAAAAEAAAAAAAAARHLEDP///wgAAAAAAAAAAAAAAAAAAAAAAAAAAAAAAAAAAAAAZAAAAAEAAABAAAAAAAAAAAAAAAAAAAAAAAAAAAAAAAAAAAAAAAAAAAAAAAAAAAAAAAAAAAAAAAAAAAAAAAAAAAAAAAAAAAAAAAAAAAAAAAAAAAAAAAAAAAAAAAAAAAAAFAAAADwAAAABAAAAAAAAAAAAAAkUAAAAAQAAABQAAAAUAAAAFAAAAAEAAAAAAAAAZAAAAGQAAAAAAAAAZAAAAGQAAAAVAAAAYAAAAAAAAAAAAAAADwAAACADAAAAAAAAAAAAAAEAAACgMgAAVgcAAKr4//8BAAAAf39/AAEAAABkAAAAAAAAABQAAABAHwAAAAAAACYAAAAAAAAAwOD//wAAAAAmAAAAZAAAABYAAABMAAAAAAAAAAAAAAAEAAAAAAAAAAEAAADn5uYKAAAAACgAAAAoAAAAZAAAAGQAAAAAAAAAzMzMAAAAAABQAAAAUAAAAGQAAABkAAAAAAAAABcAAAAUAAAAAAAAAAAAAAD/fwAA/38AAAAAAAAJAAAABAAAAIgAAAAeAAAAaAAAAAAAAAAAAAAAAAAAAAAAAAAAAAAAECcAABAnAAAAAAAAAAAAAAAAAAAAAAAAAAAAAAAAAAAAAAAAAAAAABQAAAAAAAAAwMD/AAAAAABkAAAAMgAAAAAAAABkAAAAAAAAAH9/fwAKAAAAIgAAABgAAAAAAAAAAAAAAAAAAAAAAAAAAAAAAAAAAAAkAAAAJAAAAAAAAAAHAAAAAAAAAAAAAAAAAAAAAAAAAAAAAAAAAAAAf39/ACUAAABYAAAAAAAAAAAAAAAAAAAAAAAAAAAAAAAAAAAAAAAAAAAAAAAAAAAAAAAAAAAAAAA/AAAAAAAAAKCGAQAAAAAAAAAAAAAAAAAMAAAAAQAAAAAAAAAAAAAAAAAAAB8AAABUAAAAAAAABQAAAAEAAAAAAAAAAAAAAAAAAAAAAAAAAAAAAAAAAAAAAAAAAAAAAAJ/f38AAAAAA8zMzADAwP8Af39/AAAAAAAAAAAAAAAAAAAAAAAAAAAAIQAAABgAAAAUAAAACAcAADgEAAAoIwAAUBkAABAAAAAmAAAACAAAAP////8AAAAAMAAAABQAAAAAAAAAAAD//wAAAQAAAP//AAABAA=="/>
               </a:ext>
             </a:extLst>
           </p:cNvSpPr>
@@ -1318,7 +1318,7 @@
             <a:spLocks noGrp="1" noChangeArrowheads="1"/>
             <a:extLst>
               <a:ext uri="smNativeData">
-                <pr:smNativeData xmlns:mc="http://schemas.openxmlformats.org/markup-compatibility/2006" xmlns:p14="http://schemas.microsoft.com/office/powerpoint/2010/main" xmlns:p15="http://schemas.microsoft.com/office/powerpoint/2012/main" xmlns:pr="smNativeData" xmlns="smNativeData" val="SMDATA_16_xzE7ZxMAAAAlAAAAZAAAAA8BAAAAkAAAAEgAAACQAAAASAAAAAAAAAAAAAAAAAAAAAEAAABQAAAAAAAAAAAA4D8AAAAAAADgPwAAAAAAAOA/AAAAAAAA4D8AAAAAAADgPwAAAAAAAOA/AAAAAAAA4D8AAAAAAADgPwAAAAAAAOA/AAAAAAAA4D8CAAAAjAAAAAAAAAAAAAAARHLEDP///wgAAAAAAAAAAAAAAAAAAAAAAAAAAAAAAAAAAAAAZAAAAAEAAABAAAAAAAAAAAAAAAAAAAAAAAAAAAAAAAAAAAAAAAAAAAAAAAAAAAAAAAAAAAAAAAAAAAAAAAAAAAAAAAAAAAAAAAAAAAAAAAAAAAAAAAAAAAAAAAAAAAAAFAAAADwAAAAAAAAAAAAAAAAAAAkUAAAAAQAAABQAAAAUAAAAFAAAAAEAAAAAAAAAZAAAAGQAAAAAAAAAZAAAAGQAAAAVAAAAYAAAAAAAAAAAAAAADwAAACADAAAAAAAAAAAAAAEAAACgMgAAVgcAAKr4//8BAAAAf39/AAEAAABkAAAAAAAAABQAAABAHwAAAAAAACYAAAAAAAAAwOD//wAAAAAmAAAAZAAAABYAAABMAAAAAAAAAAAAAAAEAAAAAAAAAAEAAADn5uYKAAAAACgAAAAoAAAAZAAAAGQAAAAAAAAAzMzMAAAAAABQAAAAUAAAAGQAAABkAAAAAAAAABcAAAAUAAAAAAAAAAAAAAD/fwAA/38AAAAAAAAJAAAABAAAAOYAAAAeAAAAaAAAAAAAAAAAAAAAAAAAAAAAAAAAAAAAECcAABAnAAAAAAAAAAAAAAAAAAAAAAAAAAAAAAAAAAAAAAAAAAAAABQAAAAAAAAAwMD/AAAAAABkAAAAMgAAAAAAAABkAAAAAAAAAH9/fwAKAAAAIgAAABgAAAAAAAAAAAAAAAAAAAAAAAAAAAAAAAAAAAAkAAAAJAAAAAAAAAAHAAAAAAAAAAAAAAAAAAAAAAAAAAAAAAAAAAAAf39/ACUAAABYAAAAAAAAAAAAAAAAAAAAAAAAAAAAAAAAAAAAAAAAAAAAAAAAAAAAAAAAAAAAAAA/AAAAAAAAAKCGAQAAAAAAAAAAAAAAAAAMAAAAAQAAAAAAAAAAAAAAAAAAAB8AAABUAAAAAAAABQAAAAEAAAAAAAAAAAAAAAAAAAAAAAAAAAAAAAAAAAAAAAAAAAAAAAJ/f38AAAAAA8zMzADAwP8Af39/AAAAAAAAAAAAAAAAAAAAAAAAAAAAIQAAABgAAAAUAAAAOAQAALgaAAD4JQAACDQAABAAAAAmAAAACAAAAP////8AAAAAMAAAABQAAAAAAAAAAAD//wAAAQAAAP//AAABAA=="/>
+                <pr:smNativeData xmlns="smNativeData" xmlns:pr="smNativeData" xmlns:p15="http://schemas.microsoft.com/office/powerpoint/2012/main" xmlns:p14="http://schemas.microsoft.com/office/powerpoint/2010/main" xmlns:mc="http://schemas.openxmlformats.org/markup-compatibility/2006" val="SMDATA_16_xzE7ZxMAAAAlAAAAZAAAAA8BAAAAkAAAAEgAAACQAAAASAAAAAAAAAAAAAAAAAAAAAEAAABQAAAAAAAAAAAA4D8AAAAAAADgPwAAAAAAAOA/AAAAAAAA4D8AAAAAAADgPwAAAAAAAOA/AAAAAAAA4D8AAAAAAADgPwAAAAAAAOA/AAAAAAAA4D8CAAAAjAAAAAAAAAAAAAAARHLEDP///wgAAAAAAAAAAAAAAAAAAAAAAAAAAAAAAAAAAAAAZAAAAAEAAABAAAAAAAAAAAAAAAAAAAAAAAAAAAAAAAAAAAAAAAAAAAAAAAAAAAAAAAAAAAAAAAAAAAAAAAAAAAAAAAAAAAAAAAAAAAAAAAAAAAAAAAAAAAAAAAAAAAAAFAAAADwAAAAAAAAAAAAAAAAAAAkUAAAAAQAAABQAAAAUAAAAFAAAAAEAAAAAAAAAZAAAAGQAAAAAAAAAZAAAAGQAAAAVAAAAYAAAAAAAAAAAAAAADwAAACADAAAAAAAAAAAAAAEAAACgMgAAVgcAAKr4//8BAAAAf39/AAEAAABkAAAAAAAAABQAAABAHwAAAAAAACYAAAAAAAAAwOD//wAAAAAmAAAAZAAAABYAAABMAAAAAAAAAAAAAAAEAAAAAAAAAAEAAADn5uYKAAAAACgAAAAoAAAAZAAAAGQAAAAAAAAAzMzMAAAAAABQAAAAUAAAAGQAAABkAAAAAAAAABcAAAAUAAAAAAAAAAAAAAD/fwAA/38AAAAAAAAJAAAABAAAAOYAAAAeAAAAaAAAAAAAAAAAAAAAAAAAAAAAAAAAAAAAECcAABAnAAAAAAAAAAAAAAAAAAAAAAAAAAAAAAAAAAAAAAAAAAAAABQAAAAAAAAAwMD/AAAAAABkAAAAMgAAAAAAAABkAAAAAAAAAH9/fwAKAAAAIgAAABgAAAAAAAAAAAAAAAAAAAAAAAAAAAAAAAAAAAAkAAAAJAAAAAAAAAAHAAAAAAAAAAAAAAAAAAAAAAAAAAAAAAAAAAAAf39/ACUAAABYAAAAAAAAAAAAAAAAAAAAAAAAAAAAAAAAAAAAAAAAAAAAAAAAAAAAAAAAAAAAAAA/AAAAAAAAAKCGAQAAAAAAAAAAAAAAAAAMAAAAAQAAAAAAAAAAAAAAAAAAAB8AAABUAAAAAAAABQAAAAEAAAAAAAAAAAAAAAAAAAAAAAAAAAAAAAAAAAAAAAAAAAAAAAJ/f38AAAAAA8zMzADAwP8Af39/AAAAAAAAAAAAAAAAAAAAAAAAAAAAIQAAABgAAAAUAAAAOAQAALgaAAD4JQAACDQAABAAAAAmAAAACAAAAP////8AAAAAMAAAABQAAAAAAAAAAAD//wAAAQAAAP//AAABAA=="/>
               </a:ext>
             </a:extLst>
           </p:cNvSpPr>
@@ -1382,7 +1382,7 @@
             <a:spLocks noGrp="1" noChangeArrowheads="1"/>
             <a:extLst>
               <a:ext uri="smNativeData">
-                <pr:smNativeData xmlns:mc="http://schemas.openxmlformats.org/markup-compatibility/2006" xmlns:p14="http://schemas.microsoft.com/office/powerpoint/2010/main" xmlns:p15="http://schemas.microsoft.com/office/powerpoint/2012/main" xmlns:pr="smNativeData" xmlns="smNativeData" val="SMDATA_16_xzE7ZxMAAAAlAAAAZAAAAA0AAAAAkAAAAEgAAACQAAAASAAAAAAAAAACAAAAAAAAAAEAAABQAAAAAAAAAAAA4D8AAAAAAADgPwAAAAAAAOA/AAAAAAAA4D8AAAAAAADgPwAAAAAAAOA/AAAAAAAA4D8AAAAAAADgPwAAAAAAAOA/AAAAAAAA4D8CAAAAjAAAAAAAAAAAAAAARHLEDP///wgAAAAAAAAAAAAAAAAAAAAAAAAAAAAAAAAAAAAAZAAAAAEAAABAAAAAAAAAAAAAAAAAAAAAAAAAAAAAAAAAAAAAAAAAAAAAAAAAAAAAAAAAAAAAAAAAAAAAAAAAAAAAAAAAAAAAAAAAAAAAAAAAAAAAAAAAAAAAAAAAAAAAFAAAADwAAAAAAAAAAAAAAAAAAAkUAAAAAQAAABQAAAAUAAAAFAAAAAEAAAAAAAAAZAAAAGQAAAAAAAAAZAAAAGQAAAAVAAAAYAAAAAAAAAAAAAAADwAAACADAAAAAAAAAAAAAAEAAACgMgAAVgcAAKr4//8BAAAAf39/AAEAAABkAAAAAAAAABQAAABAHwAAAAAAACYAAAAAAAAAwOD//wAAAAAmAAAAZAAAABYAAABMAAAAAAAAAAAAAAAEAAAAAAAAAAEAAADn5uYKAAAAACgAAAAoAAAAZAAAAGQAAAAAAAAAzMzMAAAAAABQAAAAUAAAAGQAAABkAAAAAAAAABcAAAAUAAAAAAAAAAAAAAD/fwAA/38AAAAAAAAJAAAABAAAAAAAAAAeAAAAaAAAAAAAAAAAAAAAAAAAAAAAAAAAAAAAECcAABAnAAAAAAAAAAAAAAAAAAAAAAAAAAAAAAAAAAAAAAAAAAAAABQAAAAAAAAAwMD/AAAAAABkAAAAMgAAAAAAAABkAAAAAAAAAH9/fwAKAAAAIgAAABgAAAAAAAAAAAAAAAAAAAAAAAAAAAAAAAAAAAAkAAAAJAAAAAAAAAAHAAAAAAAAAAAAAAAAAAAAAAAAAAAAAAAAAAAAf39/ACUAAABYAAAAAAAAAAAAAAAAAAAAAAAAAAAAAAAAAAAAAAAAAAAAAAAAAAAAAAAAAAAAAAA/AAAAAAAAAKCGAQAAAAAAAAAAAAAAAAAMAAAAAQAAAAAAAAAAAAAAAAAAAB8AAABUAAAAAAAABQAAAAEAAAAAAAAAAAAAAAAAAAAAAAAAAAAAAAAAAAAAAAAAAAAAAAJ/f38AAAAAA8zMzADAwP8Af39/AAAAAAAAAAAAAAAAAAAAAAAAAAAAIQAAABgAAAAUAAAAYAkAAOgGAACgQQAAmBUAABAAAAAmAAAACAAAAIGAAAAAAAAAMAAAABQAAAAAAAAAAAD//wAAAQAAAP//AAABAA=="/>
+                <pr:smNativeData xmlns="smNativeData" xmlns:pr="smNativeData" xmlns:p15="http://schemas.microsoft.com/office/powerpoint/2012/main" xmlns:p14="http://schemas.microsoft.com/office/powerpoint/2010/main" xmlns:mc="http://schemas.openxmlformats.org/markup-compatibility/2006" val="SMDATA_16_xzE7ZxMAAAAlAAAAZAAAAA0AAAAAkAAAAEgAAACQAAAASAAAAAAAAAACAAAAAAAAAAEAAABQAAAAAAAAAAAA4D8AAAAAAADgPwAAAAAAAOA/AAAAAAAA4D8AAAAAAADgPwAAAAAAAOA/AAAAAAAA4D8AAAAAAADgPwAAAAAAAOA/AAAAAAAA4D8CAAAAjAAAAAAAAAAAAAAARHLEDP///wgAAAAAAAAAAAAAAAAAAAAAAAAAAAAAAAAAAAAAZAAAAAEAAABAAAAAAAAAAAAAAAAAAAAAAAAAAAAAAAAAAAAAAAAAAAAAAAAAAAAAAAAAAAAAAAAAAAAAAAAAAAAAAAAAAAAAAAAAAAAAAAAAAAAAAAAAAAAAAAAAAAAAFAAAADwAAAAAAAAAAAAAAAAAAAkUAAAAAQAAABQAAAAUAAAAFAAAAAEAAAAAAAAAZAAAAGQAAAAAAAAAZAAAAGQAAAAVAAAAYAAAAAAAAAAAAAAADwAAACADAAAAAAAAAAAAAAEAAACgMgAAVgcAAKr4//8BAAAAf39/AAEAAABkAAAAAAAAABQAAABAHwAAAAAAACYAAAAAAAAAwOD//wAAAAAmAAAAZAAAABYAAABMAAAAAAAAAAAAAAAEAAAAAAAAAAEAAADn5uYKAAAAACgAAAAoAAAAZAAAAGQAAAAAAAAAzMzMAAAAAABQAAAAUAAAAGQAAABkAAAAAAAAABcAAAAUAAAAAAAAAAAAAAD/fwAA/38AAAAAAAAJAAAABAAAAAAAAAAeAAAAaAAAAAAAAAAAAAAAAAAAAAAAAAAAAAAAECcAABAnAAAAAAAAAAAAAAAAAAAAAAAAAAAAAAAAAAAAAAAAAAAAABQAAAAAAAAAwMD/AAAAAABkAAAAMgAAAAAAAABkAAAAAAAAAH9/fwAKAAAAIgAAABgAAAAAAAAAAAAAAAAAAAAAAAAAAAAAAAAAAAAkAAAAJAAAAAAAAAAHAAAAAAAAAAAAAAAAAAAAAAAAAAAAAAAAAAAAf39/ACUAAABYAAAAAAAAAAAAAAAAAAAAAAAAAAAAAAAAAAAAAAAAAAAAAAAAAAAAAAAAAAAAAAA/AAAAAAAAAKCGAQAAAAAAAAAAAAAAAAAMAAAAAQAAAAAAAAAAAAAAAAAAAB8AAABUAAAAAAAABQAAAAEAAAAAAAAAAAAAAAAAAAAAAAAAAAAAAAAAAAAAAAAAAAAAAAJ/f38AAAAAA8zMzADAwP8Af39/AAAAAAAAAAAAAAAAAAAAAAAAAAAAIQAAABgAAAAUAAAAYAkAAOgGAACgQQAAmBUAABAAAAAmAAAACAAAAIGAAAAAAAAAMAAAABQAAAAAAAAAAAD//wAAAQAAAP//AAABAA=="/>
               </a:ext>
             </a:extLst>
           </p:cNvSpPr>
@@ -1448,7 +1448,7 @@
             <a:spLocks noGrp="1" noChangeArrowheads="1"/>
             <a:extLst>
               <a:ext uri="smNativeData">
-                <pr:smNativeData xmlns:mc="http://schemas.openxmlformats.org/markup-compatibility/2006" xmlns:p14="http://schemas.microsoft.com/office/powerpoint/2010/main" xmlns:p15="http://schemas.microsoft.com/office/powerpoint/2012/main" xmlns:pr="smNativeData" xmlns="smNativeData" val="SMDATA_16_xzE7ZxMAAAAlAAAAZAAAAA0AAAAAkAAAAEgAAACQAAAASAAAAAAAAAAAAAAAAAAAAAEAAABQAAAAAAAAAAAA4D8AAAAAAADgPwAAAAAAAOA/AAAAAAAA4D8AAAAAAADgPwAAAAAAAOA/AAAAAAAA4D8AAAAAAADgPwAAAAAAAOA/AAAAAAAA4D8CAAAAjAAAAAAAAAAAAAAARHLEDP///wgAAAAAAAAAAAAAAAAAAAAAAAAAAAAAAAAAAAAAZAAAAAEAAABAAAAAAAAAAAAAAAAAAAAAAAAAAAAAAAAAAAAAAAAAAAAAAAAAAAAAAAAAAAAAAAAAAAAAAAAAAAAAAAAAAAAAAAAAAAAAAAAAAAAAAAAAAAAAAAAAAAAAFAAAADwAAAAAAAAAAAAAAAAAAAkUAAAAAQAAABQAAAAUAAAAFAAAAAEAAAAAAAAAZAAAAGQAAAAAAAAAZAAAAGQAAAAVAAAAYAAAAAAAAAAAAAAADwAAACADAAAAAAAAAAAAAAEAAACgMgAAVgcAAKr4//8BAAAAf39/AAEAAABkAAAAAAAAABQAAABAHwAAAAAAACYAAAAAAAAAwOD//wAAAAAmAAAAZAAAABYAAABMAAAAAAAAAAAAAAAEAAAAAAAAAAEAAADn5uYKAAAAACgAAAAoAAAAZAAAAGQAAAAAAAAAzMzMAAAAAABQAAAAUAAAAGQAAABkAAAAAAAAABcAAAAUAAAAAAAAAAAAAAD/fwAA/38AAAAAAAAJAAAABAAAAHiYZxAeAAAAaAAAAAAAAAAAAAAAAAAAAAAAAAAAAAAAECcAABAnAAAAAAAAAAAAAAAAAAAAAAAAAAAAAAAAAAAAAAAAAAAAABQAAAAAAAAAwMD/AAAAAABkAAAAMgAAAAAAAABkAAAAAAAAAH9/fwAKAAAAIgAAABgAAAAAAAAAAAAAAAAAAAAAAAAAAAAAAAAAAAAkAAAAJAAAAAAAAAAHAAAAAAAAAAAAAAAAAAAAAAAAAAAAAAAAAAAAf39/ACUAAABYAAAAAAAAAAAAAAAAAAAAAAAAAAAAAAAAAAAAAAAAAAAAAAAAAAAAAAAAAAAAAAA/AAAAAAAAAKCGAQAAAAAAAAAAAAAAAAAMAAAAAQAAAAAAAAAAAAAAAAAAAB8AAABUAAAAAAAABQAAAAEAAAAAAAAAAAAAAAAAAAAAAAAAAAAAAAAAAAAAAAAAAAAAAAJ/f38AAAAAA8zMzADAwP8Af39/AAAAAAAAAAAAAAAAAAAAAAAAAAAAIQAAABgAAAAUAAAAYAkAACkWAACgQQAAWCAAABAAAAAmAAAACAAAAAGAAAAAAAAAMAAAABQAAAAAAAAAAAD//wAAAQAAAP//AAABAA=="/>
+                <pr:smNativeData xmlns="smNativeData" xmlns:pr="smNativeData" xmlns:p15="http://schemas.microsoft.com/office/powerpoint/2012/main" xmlns:p14="http://schemas.microsoft.com/office/powerpoint/2010/main" xmlns:mc="http://schemas.openxmlformats.org/markup-compatibility/2006" val="SMDATA_16_xzE7ZxMAAAAlAAAAZAAAAA0AAAAAkAAAAEgAAACQAAAASAAAAAAAAAAAAAAAAAAAAAEAAABQAAAAAAAAAAAA4D8AAAAAAADgPwAAAAAAAOA/AAAAAAAA4D8AAAAAAADgPwAAAAAAAOA/AAAAAAAA4D8AAAAAAADgPwAAAAAAAOA/AAAAAAAA4D8CAAAAjAAAAAAAAAAAAAAARHLEDP///wgAAAAAAAAAAAAAAAAAAAAAAAAAAAAAAAAAAAAAZAAAAAEAAABAAAAAAAAAAAAAAAAAAAAAAAAAAAAAAAAAAAAAAAAAAAAAAAAAAAAAAAAAAAAAAAAAAAAAAAAAAAAAAAAAAAAAAAAAAAAAAAAAAAAAAAAAAAAAAAAAAAAAFAAAADwAAAAAAAAAAAAAAAAAAAkUAAAAAQAAABQAAAAUAAAAFAAAAAEAAAAAAAAAZAAAAGQAAAAAAAAAZAAAAGQAAAAVAAAAYAAAAAAAAAAAAAAADwAAACADAAAAAAAAAAAAAAEAAACgMgAAVgcAAKr4//8BAAAAf39/AAEAAABkAAAAAAAAABQAAABAHwAAAAAAACYAAAAAAAAAwOD//wAAAAAmAAAAZAAAABYAAABMAAAAAAAAAAAAAAAEAAAAAAAAAAEAAADn5uYKAAAAACgAAAAoAAAAZAAAAGQAAAAAAAAAzMzMAAAAAABQAAAAUAAAAGQAAABkAAAAAAAAABcAAAAUAAAAAAAAAAAAAAD/fwAA/38AAAAAAAAJAAAABAAAAHiYZxAeAAAAaAAAAAAAAAAAAAAAAAAAAAAAAAAAAAAAECcAABAnAAAAAAAAAAAAAAAAAAAAAAAAAAAAAAAAAAAAAAAAAAAAABQAAAAAAAAAwMD/AAAAAABkAAAAMgAAAAAAAABkAAAAAAAAAH9/fwAKAAAAIgAAABgAAAAAAAAAAAAAAAAAAAAAAAAAAAAAAAAAAAAkAAAAJAAAAAAAAAAHAAAAAAAAAAAAAAAAAAAAAAAAAAAAAAAAAAAAf39/ACUAAABYAAAAAAAAAAAAAAAAAAAAAAAAAAAAAAAAAAAAAAAAAAAAAAAAAAAAAAAAAAAAAAA/AAAAAAAAAKCGAQAAAAAAAAAAAAAAAAAMAAAAAQAAAAAAAAAAAAAAAAAAAB8AAABUAAAAAAAABQAAAAEAAAAAAAAAAAAAAAAAAAAAAAAAAAAAAAAAAAAAAAAAAAAAAAJ/f38AAAAAA8zMzADAwP8Af39/AAAAAAAAAAAAAAAAAAAAAAAAAAAAIQAAABgAAAAUAAAAYAkAACkWAACgQQAAWCAAABAAAAAmAAAACAAAAAGAAAAAAAAAMAAAABQAAAAAAAAAAAD//wAAAQAAAP//AAABAA=="/>
               </a:ext>
             </a:extLst>
           </p:cNvSpPr>
@@ -1519,7 +1519,7 @@
             <a:spLocks noGrp="1" noChangeArrowheads="1"/>
             <a:extLst>
               <a:ext uri="smNativeData">
-                <pr:smNativeData xmlns:mc="http://schemas.openxmlformats.org/markup-compatibility/2006" xmlns:p14="http://schemas.microsoft.com/office/powerpoint/2010/main" xmlns:p15="http://schemas.microsoft.com/office/powerpoint/2012/main" xmlns:pr="smNativeData" xmlns="smNativeData" val="SMDATA_16_xzE7ZxMAAAAlAAAAZAAAAA0AAAAAkAAAAEgAAACQAAAASAAAAAAAAAABAAAAAAAAAAEAAABQAAAAAAAAAAAA4D8AAAAAAADgPwAAAAAAAOA/AAAAAAAA4D8AAAAAAADgPwAAAAAAAOA/AAAAAAAA4D8AAAAAAADgPwAAAAAAAOA/AAAAAAAA4D8CAAAAjAAAAAAAAAAAAAAARHLEDP///wgAAAAAAAAAAAAAAAAAAAAAAAAAAAAAAAAAAAAAZAAAAAEAAABAAAAAAAAAAAAAAAAAAAAAAAAAAAAAAAAAAAAAAAAAAAAAAAAAAAAAAAAAAAAAAAAAAAAAAAAAAAAAAAAAAAAAAAAAAAAAAAAAAAAAAAAAAAAAAAAAAAAAFAAAADwAAAAAAAAAAAAAAAAAAAkUAAAAAQAAABQAAAAUAAAAFAAAAAEAAAAAAAAAZAAAAGQAAAAAAAAAZAAAAGQAAAAVAAAAYAAAAAAAAAAAAAAADwAAACADAAAAAAAAAAAAAAEAAACgMgAAVgcAAKr4//8BAAAAf39/AAEAAABkAAAAAAAAABQAAABAHwAAAAAAACYAAAAAAAAAwOD//wAAAAAmAAAAZAAAABYAAABMAAAAAAAAAAAAAAAEAAAAAAAAAAEAAADn5uYKAAAAACgAAAAoAAAAZAAAAGQAAAAAAAAAzMzMAAAAAABQAAAAUAAAAGQAAABkAAAAAAAAABcAAAAUAAAAAAAAAAAAAAD/fwAA/38AAAAAAAAJAAAABAAAAAAAAAAeAAAAaAAAAAAAAAAAAAAAAAAAAAAAAAAAAAAAECcAABAnAAAAAAAAAAAAAAAAAAAAAAAAAAAAAAAAAAAAAAAAAAAAABQAAAAAAAAAwMD/AAAAAABkAAAAMgAAAAAAAABkAAAAAAAAAH9/fwAKAAAAIgAAABgAAAAAAAAAAAAAAAAAAAAAAAAAAAAAAAAAAAAkAAAAJAAAAAAAAAAHAAAAAAAAAAAAAAAAAAAAAAAAAAAAAAAAAAAAf39/ACUAAABYAAAAAAAAAAAAAAAAAAAAAAAAAAAAAAAAAAAAAAAAAAAAAAAAAAAAAAAAAAAAAAA/AAAAAAAAAKCGAQAAAAAAAAAAAAAAAAAMAAAAAQAAAAAAAAAAAAAAAAAAAB8AAABUAAAAAAAABQAAAAEAAAAAAAAAAAAAAAAAAAAAAAAAAAAAAAAAAAAAAAAAAAAAAAJ/f38AAAAAA8zMzADAwP8Af39/AAAAAAAAAAAAAAAAAAAAAAAAAAAAIQAAABgAAAAUAAAAKAUAABonAAAIFgAAWSkAABAAAAAmAAAACAAAAAAAAAAAAAAAMAAAABQAAAAAAAAAAAD//wAAAQAAAP//AAABAA=="/>
+                <pr:smNativeData xmlns="smNativeData" xmlns:pr="smNativeData" xmlns:p15="http://schemas.microsoft.com/office/powerpoint/2012/main" xmlns:p14="http://schemas.microsoft.com/office/powerpoint/2010/main" xmlns:mc="http://schemas.openxmlformats.org/markup-compatibility/2006" val="SMDATA_16_xzE7ZxMAAAAlAAAAZAAAAA0AAAAAkAAAAEgAAACQAAAASAAAAAAAAAABAAAAAAAAAAEAAABQAAAAAAAAAAAA4D8AAAAAAADgPwAAAAAAAOA/AAAAAAAA4D8AAAAAAADgPwAAAAAAAOA/AAAAAAAA4D8AAAAAAADgPwAAAAAAAOA/AAAAAAAA4D8CAAAAjAAAAAAAAAAAAAAARHLEDP///wgAAAAAAAAAAAAAAAAAAAAAAAAAAAAAAAAAAAAAZAAAAAEAAABAAAAAAAAAAAAAAAAAAAAAAAAAAAAAAAAAAAAAAAAAAAAAAAAAAAAAAAAAAAAAAAAAAAAAAAAAAAAAAAAAAAAAAAAAAAAAAAAAAAAAAAAAAAAAAAAAAAAAFAAAADwAAAAAAAAAAAAAAAAAAAkUAAAAAQAAABQAAAAUAAAAFAAAAAEAAAAAAAAAZAAAAGQAAAAAAAAAZAAAAGQAAAAVAAAAYAAAAAAAAAAAAAAADwAAACADAAAAAAAAAAAAAAEAAACgMgAAVgcAAKr4//8BAAAAf39/AAEAAABkAAAAAAAAABQAAABAHwAAAAAAACYAAAAAAAAAwOD//wAAAAAmAAAAZAAAABYAAABMAAAAAAAAAAAAAAAEAAAAAAAAAAEAAADn5uYKAAAAACgAAAAoAAAAZAAAAGQAAAAAAAAAzMzMAAAAAABQAAAAUAAAAGQAAABkAAAAAAAAABcAAAAUAAAAAAAAAAAAAAD/fwAA/38AAAAAAAAJAAAABAAAAAAAAAAeAAAAaAAAAAAAAAAAAAAAAAAAAAAAAAAAAAAAECcAABAnAAAAAAAAAAAAAAAAAAAAAAAAAAAAAAAAAAAAAAAAAAAAABQAAAAAAAAAwMD/AAAAAABkAAAAMgAAAAAAAABkAAAAAAAAAH9/fwAKAAAAIgAAABgAAAAAAAAAAAAAAAAAAAAAAAAAAAAAAAAAAAAkAAAAJAAAAAAAAAAHAAAAAAAAAAAAAAAAAAAAAAAAAAAAAAAAAAAAf39/ACUAAABYAAAAAAAAAAAAAAAAAAAAAAAAAAAAAAAAAAAAAAAAAAAAAAAAAAAAAAAAAAAAAAA/AAAAAAAAAKCGAQAAAAAAAAAAAAAAAAAMAAAAAQAAAAAAAAAAAAAAAAAAAB8AAABUAAAAAAAABQAAAAEAAAAAAAAAAAAAAAAAAAAAAAAAAAAAAAAAAAAAAAAAAAAAAAJ/f38AAAAAA8zMzADAwP8Af39/AAAAAAAAAAAAAAAAAAAAAAAAAAAAIQAAABgAAAAUAAAAKAUAABonAAAIFgAAWSkAABAAAAAmAAAACAAAAAAAAAAAAAAAMAAAABQAAAAAAAAAAAD//wAAAQAAAP//AAABAA=="/>
               </a:ext>
             </a:extLst>
           </p:cNvSpPr>
@@ -1536,7 +1536,7 @@
               <a:defRPr lang="ru-ru"/>
             </a:pPr>
             <a:fld id="{3BC5B6D6-98D6-9040-987D-6E15F8336E3B}" type="datetime1">
-              <a:t>20.11.2024</a:t>
+              <a:t>25.11.2024</a:t>
             </a:fld>
             <a:endParaRPr/>
           </a:p>
@@ -1549,7 +1549,7 @@
             <a:spLocks noGrp="1" noChangeArrowheads="1"/>
             <a:extLst>
               <a:ext uri="smNativeData">
-                <pr:smNativeData xmlns:mc="http://schemas.openxmlformats.org/markup-compatibility/2006" xmlns:p14="http://schemas.microsoft.com/office/powerpoint/2010/main" xmlns:p15="http://schemas.microsoft.com/office/powerpoint/2012/main" xmlns:pr="smNativeData" xmlns="smNativeData" val="SMDATA_16_xzE7ZxMAAAAlAAAAZAAAAA0AAAAAkAAAAEgAAACQAAAASAAAAAAAAAABAAAAAAAAAAEAAABQAAAAAAAAAAAA4D8AAAAAAADgPwAAAAAAAOA/AAAAAAAA4D8AAAAAAADgPwAAAAAAAOA/AAAAAAAA4D8AAAAAAADgPwAAAAAAAOA/AAAAAAAA4D8CAAAAjAAAAAAAAAAAAAAARHLEDP///wgAAAAAAAAAAAAAAAAAAAAAAAAAAAAAAAAAAAAAZAAAAAEAAABAAAAAAAAAAAAAAAAAAAAAAAAAAAAAAAAAAAAAAAAAAAAAAAAAAAAAAAAAAAAAAAAAAAAAAAAAAAAAAAAAAAAAAAAAAAAAAAAAAAAAAAAAAAAAAAAAAAAAFAAAADwAAAAAAAAAAAAAAAAAAAkUAAAAAQAAABQAAAAUAAAAFAAAAAEAAAAAAAAAZAAAAGQAAAAAAAAAZAAAAGQAAAAVAAAAYAAAAAAAAAAAAAAADwAAACADAAAAAAAAAAAAAAEAAACgMgAAVgcAAKr4//8BAAAAf39/AAEAAABkAAAAAAAAABQAAABAHwAAAAAAACYAAAAAAAAAwOD//wAAAAAmAAAAZAAAABYAAABMAAAAAAAAAAAAAAAEAAAAAAAAAAEAAADn5uYKAAAAACgAAAAoAAAAZAAAAGQAAAAAAAAAzMzMAAAAAABQAAAAUAAAAGQAAABkAAAAAAAAABcAAAAUAAAAAAAAAAAAAAD/fwAA/38AAAAAAAAJAAAABAAAAGwAZQAeAAAAaAAAAAAAAAAAAAAAAAAAAAAAAAAAAAAAECcAABAnAAAAAAAAAAAAAAAAAAAAAAAAAAAAAAAAAAAAAAAAAAAAABQAAAAAAAAAwMD/AAAAAABkAAAAMgAAAAAAAABkAAAAAAAAAH9/fwAKAAAAIgAAABgAAAAAAAAAAAAAAAAAAAAAAAAAAAAAAAAAAAAkAAAAJAAAAAAAAAAHAAAAAAAAAAAAAAAAAAAAAAAAAAAAAAAAAAAAf39/ACUAAABYAAAAAAAAAAAAAAAAAAAAAAAAAAAAAAAAAAAAAAAAAAAAAAAAAAAAAAAAAAAAAAA/AAAAAAAAAKCGAQAAAAAAAAAAAAAAAAAMAAAAAQAAAAAAAAAAAAAAAAAAAB8AAABUAAAAAAAABQAAAAEAAAAAAAAAAAAAAAAAAAAAAAAAAAAAAAAAAAAAAAAAAAAAAAJ/f38AAAAAA8zMzADAwP8Af39/AAAAAAAAAAAAAAAAAAAAAAAAAAAAIQAAABgAAAAUAAAA2BgAABonAAAoMgAAWSkAABAAAAAmAAAACAAAAAAAAAAAAAAAMAAAABQAAAAAAAAAAAD//wAAAQAAAP//AAABAA=="/>
+                <pr:smNativeData xmlns="smNativeData" xmlns:pr="smNativeData" xmlns:p15="http://schemas.microsoft.com/office/powerpoint/2012/main" xmlns:p14="http://schemas.microsoft.com/office/powerpoint/2010/main" xmlns:mc="http://schemas.openxmlformats.org/markup-compatibility/2006" val="SMDATA_16_xzE7ZxMAAAAlAAAAZAAAAA0AAAAAkAAAAEgAAACQAAAASAAAAAAAAAABAAAAAAAAAAEAAABQAAAAAAAAAAAA4D8AAAAAAADgPwAAAAAAAOA/AAAAAAAA4D8AAAAAAADgPwAAAAAAAOA/AAAAAAAA4D8AAAAAAADgPwAAAAAAAOA/AAAAAAAA4D8CAAAAjAAAAAAAAAAAAAAARHLEDP///wgAAAAAAAAAAAAAAAAAAAAAAAAAAAAAAAAAAAAAZAAAAAEAAABAAAAAAAAAAAAAAAAAAAAAAAAAAAAAAAAAAAAAAAAAAAAAAAAAAAAAAAAAAAAAAAAAAAAAAAAAAAAAAAAAAAAAAAAAAAAAAAAAAAAAAAAAAAAAAAAAAAAAFAAAADwAAAAAAAAAAAAAAAAAAAkUAAAAAQAAABQAAAAUAAAAFAAAAAEAAAAAAAAAZAAAAGQAAAAAAAAAZAAAAGQAAAAVAAAAYAAAAAAAAAAAAAAADwAAACADAAAAAAAAAAAAAAEAAACgMgAAVgcAAKr4//8BAAAAf39/AAEAAABkAAAAAAAAABQAAABAHwAAAAAAACYAAAAAAAAAwOD//wAAAAAmAAAAZAAAABYAAABMAAAAAAAAAAAAAAAEAAAAAAAAAAEAAADn5uYKAAAAACgAAAAoAAAAZAAAAGQAAAAAAAAAzMzMAAAAAABQAAAAUAAAAGQAAABkAAAAAAAAABcAAAAUAAAAAAAAAAAAAAD/fwAA/38AAAAAAAAJAAAABAAAAGwAZQAeAAAAaAAAAAAAAAAAAAAAAAAAAAAAAAAAAAAAECcAABAnAAAAAAAAAAAAAAAAAAAAAAAAAAAAAAAAAAAAAAAAAAAAABQAAAAAAAAAwMD/AAAAAABkAAAAMgAAAAAAAABkAAAAAAAAAH9/fwAKAAAAIgAAABgAAAAAAAAAAAAAAAAAAAAAAAAAAAAAAAAAAAAkAAAAJAAAAAAAAAAHAAAAAAAAAAAAAAAAAAAAAAAAAAAAAAAAAAAAf39/ACUAAABYAAAAAAAAAAAAAAAAAAAAAAAAAAAAAAAAAAAAAAAAAAAAAAAAAAAAAAAAAAAAAAA/AAAAAAAAAKCGAQAAAAAAAAAAAAAAAAAMAAAAAQAAAAAAAAAAAAAAAAAAAB8AAABUAAAAAAAABQAAAAEAAAAAAAAAAAAAAAAAAAAAAAAAAAAAAAAAAAAAAAAAAAAAAAJ/f38AAAAAA8zMzADAwP8Af39/AAAAAAAAAAAAAAAAAAAAAAAAAAAAIQAAABgAAAAUAAAA2BgAABonAAAoMgAAWSkAABAAAAAmAAAACAAAAAAAAAAAAAAAMAAAABQAAAAAAAAAAAD//wAAAQAAAP//AAABAA=="/>
               </a:ext>
             </a:extLst>
           </p:cNvSpPr>
@@ -1576,7 +1576,7 @@
             <a:spLocks noGrp="1" noChangeArrowheads="1"/>
             <a:extLst>
               <a:ext uri="smNativeData">
-                <pr:smNativeData xmlns:mc="http://schemas.openxmlformats.org/markup-compatibility/2006" xmlns:p14="http://schemas.microsoft.com/office/powerpoint/2010/main" xmlns:p15="http://schemas.microsoft.com/office/powerpoint/2012/main" xmlns:pr="smNativeData" xmlns="smNativeData" val="SMDATA_16_xzE7ZxMAAAAlAAAAZAAAAA0AAAAAkAAAAEgAAACQAAAASAAAAAAAAAABAAAAAAAAAAEAAABQAAAAAAAAAAAA4D8AAAAAAADgPwAAAAAAAOA/AAAAAAAA4D8AAAAAAADgPwAAAAAAAOA/AAAAAAAA4D8AAAAAAADgPwAAAAAAAOA/AAAAAAAA4D8CAAAAjAAAAAAAAAAAAAAARHLEDP///wgAAAAAAAAAAAAAAAAAAAAAAAAAAAAAAAAAAAAAZAAAAAEAAABAAAAAAAAAAAAAAAAAAAAAAAAAAAAAAAAAAAAAAAAAAAAAAAAAAAAAAAAAAAAAAAAAAAAAAAAAAAAAAAAAAAAAAAAAAAAAAAAAAAAAAAAAAAAAAAAAAAAAFAAAADwAAAAAAAAAAAAAAAAAAAkUAAAAAQAAABQAAAAUAAAAFAAAAAEAAAAAAAAAZAAAAGQAAAAAAAAAZAAAAGQAAAAVAAAAYAAAAAAAAAAAAAAADwAAACADAAAAAAAAAAAAAAEAAACgMgAAVgcAAKr4//8BAAAAf39/AAEAAABkAAAAAAAAABQAAABAHwAAAAAAACYAAAAAAAAAwOD//wAAAAAmAAAAZAAAABYAAABMAAAAAAAAAAAAAAAEAAAAAAAAAAEAAADn5uYKAAAAACgAAAAoAAAAZAAAAGQAAAAAAAAAzMzMAAAAAABQAAAAUAAAAGQAAABkAAAAAAAAABcAAAAUAAAAAAAAAAAAAAD/fwAA/38AAAAAAAAJAAAABAAAAHAgGrceAAAAaAAAAAAAAAAAAAAAAAAAAAAAAAAAAAAAECcAABAnAAAAAAAAAAAAAAAAAAAAAAAAAAAAAAAAAAAAAAAAAAAAABQAAAAAAAAAwMD/AAAAAABkAAAAMgAAAAAAAABkAAAAAAAAAH9/fwAKAAAAIgAAABgAAAAAAAAAAAAAAAAAAAAAAAAAAAAAAAAAAAAkAAAAJAAAAAAAAAAHAAAAAAAAAAAAAAAAAAAAAAAAAAAAAAAAAAAAf39/ACUAAABYAAAAAAAAAAAAAAAAAAAAAAAAAAAAAAAAAAAAAAAAAAAAAAAAAAAAAAAAAAAAAAA/AAAAAAAAAKCGAQAAAAAAAAAAAAAAAAAMAAAAAQAAAAAAAAAAAAAAAAAAAB8AAABUAAAAAAAABQAAAAEAAAAAAAAAAAAAAAAAAAAAAAAAAAAAAAAAAAAAAAAAAAAAAAJ/f38AAAAAA8zMzADAwP8Af39/AAAAAAAAAAAAAAAAAAAAAAAAAAAAIQAAABgAAAAUAAAA+DQAABonAADYRQAAWSkAABAAAAAmAAAACAAAAAAAAAAAAAAAMAAAABQAAAAAAAAAAAD//wAAAQAAAP//AAABAA=="/>
+                <pr:smNativeData xmlns="smNativeData" xmlns:pr="smNativeData" xmlns:p15="http://schemas.microsoft.com/office/powerpoint/2012/main" xmlns:p14="http://schemas.microsoft.com/office/powerpoint/2010/main" xmlns:mc="http://schemas.openxmlformats.org/markup-compatibility/2006" val="SMDATA_16_xzE7ZxMAAAAlAAAAZAAAAA0AAAAAkAAAAEgAAACQAAAASAAAAAAAAAABAAAAAAAAAAEAAABQAAAAAAAAAAAA4D8AAAAAAADgPwAAAAAAAOA/AAAAAAAA4D8AAAAAAADgPwAAAAAAAOA/AAAAAAAA4D8AAAAAAADgPwAAAAAAAOA/AAAAAAAA4D8CAAAAjAAAAAAAAAAAAAAARHLEDP///wgAAAAAAAAAAAAAAAAAAAAAAAAAAAAAAAAAAAAAZAAAAAEAAABAAAAAAAAAAAAAAAAAAAAAAAAAAAAAAAAAAAAAAAAAAAAAAAAAAAAAAAAAAAAAAAAAAAAAAAAAAAAAAAAAAAAAAAAAAAAAAAAAAAAAAAAAAAAAAAAAAAAAFAAAADwAAAAAAAAAAAAAAAAAAAkUAAAAAQAAABQAAAAUAAAAFAAAAAEAAAAAAAAAZAAAAGQAAAAAAAAAZAAAAGQAAAAVAAAAYAAAAAAAAAAAAAAADwAAACADAAAAAAAAAAAAAAEAAACgMgAAVgcAAKr4//8BAAAAf39/AAEAAABkAAAAAAAAABQAAABAHwAAAAAAACYAAAAAAAAAwOD//wAAAAAmAAAAZAAAABYAAABMAAAAAAAAAAAAAAAEAAAAAAAAAAEAAADn5uYKAAAAACgAAAAoAAAAZAAAAGQAAAAAAAAAzMzMAAAAAABQAAAAUAAAAGQAAABkAAAAAAAAABcAAAAUAAAAAAAAAAAAAAD/fwAA/38AAAAAAAAJAAAABAAAAHAgGrceAAAAaAAAAAAAAAAAAAAAAAAAAAAAAAAAAAAAECcAABAnAAAAAAAAAAAAAAAAAAAAAAAAAAAAAAAAAAAAAAAAAAAAABQAAAAAAAAAwMD/AAAAAABkAAAAMgAAAAAAAABkAAAAAAAAAH9/fwAKAAAAIgAAABgAAAAAAAAAAAAAAAAAAAAAAAAAAAAAAAAAAAAkAAAAJAAAAAAAAAAHAAAAAAAAAAAAAAAAAAAAAAAAAAAAAAAAAAAAf39/ACUAAABYAAAAAAAAAAAAAAAAAAAAAAAAAAAAAAAAAAAAAAAAAAAAAAAAAAAAAAAAAAAAAAA/AAAAAAAAAKCGAQAAAAAAAAAAAAAAAAAMAAAAAQAAAAAAAAAAAAAAAAAAAB8AAABUAAAAAAAABQAAAAEAAAAAAAAAAAAAAAAAAAAAAAAAAAAAAAAAAAAAAAAAAAAAAAJ/f38AAAAAA8zMzADAwP8Af39/AAAAAAAAAAAAAAAAAAAAAAAAAAAAIQAAABgAAAAUAAAA+DQAABonAADYRQAAWSkAABAAAAAmAAAACAAAAAAAAAAAAAAAMAAAABQAAAAAAAAAAAD//wAAAQAAAP//AAABAA=="/>
               </a:ext>
             </a:extLst>
           </p:cNvSpPr>
@@ -1632,7 +1632,7 @@
             <a:spLocks noGrp="1" noChangeArrowheads="1"/>
             <a:extLst>
               <a:ext uri="smNativeData">
-                <pr:smNativeData xmlns:mc="http://schemas.openxmlformats.org/markup-compatibility/2006" xmlns:p14="http://schemas.microsoft.com/office/powerpoint/2010/main" xmlns:p15="http://schemas.microsoft.com/office/powerpoint/2012/main" xmlns:pr="smNativeData" xmlns="smNativeData" val="SMDATA_16_xzE7ZxMAAAAlAAAAZAAAAA0AAAAAkAAAAEgAAACQAAAASAAAAAAAAAABAAAAAAAAAAEAAABQAAAAAAAAAAAA4D8AAAAAAADgPwAAAAAAAOA/AAAAAAAA4D8AAAAAAADgPwAAAAAAAOA/AAAAAAAA4D8AAAAAAADgPwAAAAAAAOA/AAAAAAAA4D8CAAAAjAAAAAAAAAAAAAAARHLEDP///wgAAAAAAAAAAAAAAAAAAAAAAAAAAAAAAAAAAAAAZAAAAAEAAABAAAAAAAAAAAAAAAAAAAAAAAAAAAAAAAAAAAAAAAAAAAAAAAAAAAAAAAAAAAAAAAAAAAAAAAAAAAAAAAAAAAAAAAAAAAAAAAAAAAAAAAAAAAAAAAAAAAAAFAAAADwAAAAAAAAAAAAAAAAAAAkUAAAAAQAAABQAAAAUAAAAFAAAAAEAAAAAAAAAZAAAAGQAAAAAAAAAZAAAAGQAAAAVAAAAYAAAAAAAAAAAAAAADwAAACADAAAAAAAAAAAAAAEAAACgMgAAVgcAAKr4//8BAAAAf39/AAEAAABkAAAAAAAAABQAAABAHwAAAAAAACYAAAAAAAAAwOD//wAAAAAmAAAAZAAAABYAAABMAAAAAAAAAAAAAAAEAAAAAAAAAAEAAADn5uYKAAAAACgAAAAoAAAAZAAAAGQAAAAAAAAAzMzMAAAAAABQAAAAUAAAAGQAAABkAAAAAAAAABcAAAAUAAAAAAAAAAAAAAD/fwAA/38AAAAAAAAJAAAABAAAAAAAAAAeAAAAaAAAAAAAAAAAAAAAAAAAAAAAAAAAAAAAECcAABAnAAAAAAAAAAAAAAAAAAAAAAAAAAAAAAAAAAAAAAAAAAAAABQAAAAAAAAAwMD/AAAAAABkAAAAMgAAAAAAAABkAAAAAAAAAH9/fwAKAAAAIgAAABgAAAAAAAAAAAAAAAAAAAAAAAAAAAAAAAAAAAAkAAAAJAAAAAAAAAAHAAAAAAAAAAAAAAAAAAAAAAAAAAAAAAAAAAAAf39/ACUAAABYAAAAAAAAAAAAAAAAAAAAAAAAAAAAAAAAAAAAAAAAAAAAAAAAAAAAAAAAAAAAAAA/AAAAAAAAAKCGAQAAAAAAAAAAAAAAAAAMAAAAAQAAAAAAAAAAAAAAAAAAAB8AAABUAAAAAAAABQAAAAEAAAAAAAAAAAAAAAAAAAAAAAAAAAAAAAAAAAAAAAAAAAAAAAJ/f38AAAAAA8zMzADAwP8Af39/AAAAAAAAAAAAAAAAAAAAAAAAAAAAIQAAABgAAAAUAAAAKAUAAD8CAADYRQAAZwoAABAAAAAmAAAACAAAAAAAAAAAAAAAMAAAABQAAAAAAAAAAAD//wAAAQAAAP//AAABAA=="/>
+                <pr:smNativeData xmlns="smNativeData" xmlns:pr="smNativeData" xmlns:p15="http://schemas.microsoft.com/office/powerpoint/2012/main" xmlns:p14="http://schemas.microsoft.com/office/powerpoint/2010/main" xmlns:mc="http://schemas.openxmlformats.org/markup-compatibility/2006" val="SMDATA_16_xzE7ZxMAAAAlAAAAZAAAAA0AAAAAkAAAAEgAAACQAAAASAAAAAAAAAABAAAAAAAAAAEAAABQAAAAAAAAAAAA4D8AAAAAAADgPwAAAAAAAOA/AAAAAAAA4D8AAAAAAADgPwAAAAAAAOA/AAAAAAAA4D8AAAAAAADgPwAAAAAAAOA/AAAAAAAA4D8CAAAAjAAAAAAAAAAAAAAARHLEDP///wgAAAAAAAAAAAAAAAAAAAAAAAAAAAAAAAAAAAAAZAAAAAEAAABAAAAAAAAAAAAAAAAAAAAAAAAAAAAAAAAAAAAAAAAAAAAAAAAAAAAAAAAAAAAAAAAAAAAAAAAAAAAAAAAAAAAAAAAAAAAAAAAAAAAAAAAAAAAAAAAAAAAAFAAAADwAAAAAAAAAAAAAAAAAAAkUAAAAAQAAABQAAAAUAAAAFAAAAAEAAAAAAAAAZAAAAGQAAAAAAAAAZAAAAGQAAAAVAAAAYAAAAAAAAAAAAAAADwAAACADAAAAAAAAAAAAAAEAAACgMgAAVgcAAKr4//8BAAAAf39/AAEAAABkAAAAAAAAABQAAABAHwAAAAAAACYAAAAAAAAAwOD//wAAAAAmAAAAZAAAABYAAABMAAAAAAAAAAAAAAAEAAAAAAAAAAEAAADn5uYKAAAAACgAAAAoAAAAZAAAAGQAAAAAAAAAzMzMAAAAAABQAAAAUAAAAGQAAABkAAAAAAAAABcAAAAUAAAAAAAAAAAAAAD/fwAA/38AAAAAAAAJAAAABAAAAAAAAAAeAAAAaAAAAAAAAAAAAAAAAAAAAAAAAAAAAAAAECcAABAnAAAAAAAAAAAAAAAAAAAAAAAAAAAAAAAAAAAAAAAAAAAAABQAAAAAAAAAwMD/AAAAAABkAAAAMgAAAAAAAABkAAAAAAAAAH9/fwAKAAAAIgAAABgAAAAAAAAAAAAAAAAAAAAAAAAAAAAAAAAAAAAkAAAAJAAAAAAAAAAHAAAAAAAAAAAAAAAAAAAAAAAAAAAAAAAAAAAAf39/ACUAAABYAAAAAAAAAAAAAAAAAAAAAAAAAAAAAAAAAAAAAAAAAAAAAAAAAAAAAAAAAAAAAAA/AAAAAAAAAKCGAQAAAAAAAAAAAAAAAAAMAAAAAQAAAAAAAAAAAAAAAAAAAB8AAABUAAAAAAAABQAAAAEAAAAAAAAAAAAAAAAAAAAAAAAAAAAAAAAAAAAAAAAAAAAAAAJ/f38AAAAAA8zMzADAwP8Af39/AAAAAAAAAAAAAAAAAAAAAAAAAAAAIQAAABgAAAAUAAAAKAUAAD8CAADYRQAAZwoAABAAAAAmAAAACAAAAAAAAAAAAAAAMAAAABQAAAAAAAAAAAD//wAAAQAAAP//AAABAA=="/>
               </a:ext>
             </a:extLst>
           </p:cNvSpPr>
@@ -1661,7 +1661,7 @@
             <a:spLocks noGrp="1" noChangeArrowheads="1"/>
             <a:extLst>
               <a:ext uri="smNativeData">
-                <pr:smNativeData xmlns:mc="http://schemas.openxmlformats.org/markup-compatibility/2006" xmlns:p14="http://schemas.microsoft.com/office/powerpoint/2010/main" xmlns:p15="http://schemas.microsoft.com/office/powerpoint/2012/main" xmlns:pr="smNativeData" xmlns="smNativeData" val="SMDATA_16_xzE7ZxMAAAAlAAAAZAAAAA0AAAAAkAAAAEgAAACQAAAASAAAAAAAAAAAAAAAAQAAAAEAAABQAAAAAAAAAAAA4D8AAAAAAADgPwAAAAAAAOA/AAAAAAAA4D8AAAAAAADgPwAAAAAAAOA/AAAAAAAA4D8AAAAAAADgPwAAAAAAAOA/AAAAAAAA4D8CAAAAjAAAAAAAAAAAAAAARHLEDP///wgAAAAAAAAAAAAAAAAAAAAAAAAAAAAAAAAAAAAAZAAAAAEAAABAAAAAAAAAAAAAAAAAAAAAAAAAAAAAAAAAAAAAAAAAAAAAAAAAAAAAAAAAAAAAAAAAAAAAAAAAAAAAAAAAAAAAAAAAAAAAAAAAAAAAAAAAAAAAAAAAAAAAFAAAADwAAAAAAAAAAAAAAAAAAAkUAAAAAQAAABQAAAAUAAAAFAAAAAEAAAAAAAAAZAAAAGQAAAAAAAAAZAAAAGQAAAAVAAAAYAAAAAAAAAAAAAAADwAAACADAAAAAAAAAAAAAAEAAACgMgAAVgcAAKr4//8BAAAAf39/AAEAAABkAAAAAAAAABQAAABAHwAAAAAAACYAAAAAAAAAwOD//wAAAAAmAAAAZAAAABYAAABMAAAAAAAAAAAAAAAEAAAAAAAAAAEAAADn5uYKAAAAACgAAAAoAAAAZAAAAGQAAAAAAAAAzMzMAAAAAABQAAAAUAAAAGQAAABkAAAAAAAAABcAAAAUAAAAAAAAAAAAAAD/fwAA/38AAAAAAAAJAAAABAAAAAAAAAAeAAAAaAAAAAAAAAAAAAAAAAAAAAAAAAAAAAAAECcAABAnAAAAAAAAAAAAAAAAAAAAAAAAAAAAAAAAAAAAAAAAAAAAABQAAAAAAAAAwMD/AAAAAABkAAAAMgAAAAAAAABkAAAAAAAAAH9/fwAKAAAAIgAAABgAAAAAAAAAAAAAAAAAAAAAAAAAAAAAAAAAAAAkAAAAJAAAAAAAAAAHAAAAAAAAAAAAAAAAAAAAAAAAAAAAAAAAAAAAf39/ACUAAABYAAAAAAAAAAAAAAAAAAAAAAAAAAAAAAAAAAAAAAAAAAAAAAAAAAAAAAAAAAAAAAA/AAAAAAAAAKCGAQAAAAAAAAAAAAAAAAAMAAAAAQAAAAAAAAAAAAAAAAAAAB8AAABUAAAAAAAABQAAAAEAAAAAAAAAAAAAAAAAAAAAAAAAAAAAAAAAAAAAAAAAAAAAAAJ/f38AAAAAA8zMzADAwP8Af39/AAAAAAAAAAAAAAAAAAAAAAAAAAAAIQAAABgAAAAUAAAAKAUAADsLAADYRQAAACYAABAAAAAmAAAACAAAAAIAAAAAAAAAMAAAABQAAAAAAAAAAAD//wAAAQAAAP//AAABAA=="/>
+                <pr:smNativeData xmlns="smNativeData" xmlns:pr="smNativeData" xmlns:p15="http://schemas.microsoft.com/office/powerpoint/2012/main" xmlns:p14="http://schemas.microsoft.com/office/powerpoint/2010/main" xmlns:mc="http://schemas.openxmlformats.org/markup-compatibility/2006" val="SMDATA_16_xzE7ZxMAAAAlAAAAZAAAAA0AAAAAkAAAAEgAAACQAAAASAAAAAAAAAAAAAAAAQAAAAEAAABQAAAAAAAAAAAA4D8AAAAAAADgPwAAAAAAAOA/AAAAAAAA4D8AAAAAAADgPwAAAAAAAOA/AAAAAAAA4D8AAAAAAADgPwAAAAAAAOA/AAAAAAAA4D8CAAAAjAAAAAAAAAAAAAAARHLEDP///wgAAAAAAAAAAAAAAAAAAAAAAAAAAAAAAAAAAAAAZAAAAAEAAABAAAAAAAAAAAAAAAAAAAAAAAAAAAAAAAAAAAAAAAAAAAAAAAAAAAAAAAAAAAAAAAAAAAAAAAAAAAAAAAAAAAAAAAAAAAAAAAAAAAAAAAAAAAAAAAAAAAAAFAAAADwAAAAAAAAAAAAAAAAAAAkUAAAAAQAAABQAAAAUAAAAFAAAAAEAAAAAAAAAZAAAAGQAAAAAAAAAZAAAAGQAAAAVAAAAYAAAAAAAAAAAAAAADwAAACADAAAAAAAAAAAAAAEAAACgMgAAVgcAAKr4//8BAAAAf39/AAEAAABkAAAAAAAAABQAAABAHwAAAAAAACYAAAAAAAAAwOD//wAAAAAmAAAAZAAAABYAAABMAAAAAAAAAAAAAAAEAAAAAAAAAAEAAADn5uYKAAAAACgAAAAoAAAAZAAAAGQAAAAAAAAAzMzMAAAAAABQAAAAUAAAAGQAAABkAAAAAAAAABcAAAAUAAAAAAAAAAAAAAD/fwAA/38AAAAAAAAJAAAABAAAAAAAAAAeAAAAaAAAAAAAAAAAAAAAAAAAAAAAAAAAAAAAECcAABAnAAAAAAAAAAAAAAAAAAAAAAAAAAAAAAAAAAAAAAAAAAAAABQAAAAAAAAAwMD/AAAAAABkAAAAMgAAAAAAAABkAAAAAAAAAH9/fwAKAAAAIgAAABgAAAAAAAAAAAAAAAAAAAAAAAAAAAAAAAAAAAAkAAAAJAAAAAAAAAAHAAAAAAAAAAAAAAAAAAAAAAAAAAAAAAAAAAAAf39/ACUAAABYAAAAAAAAAAAAAAAAAAAAAAAAAAAAAAAAAAAAAAAAAAAAAAAAAAAAAAAAAAAAAAA/AAAAAAAAAKCGAQAAAAAAAAAAAAAAAAAMAAAAAQAAAAAAAAAAAAAAAAAAAB8AAABUAAAAAAAABQAAAAEAAAAAAAAAAAAAAAAAAAAAAAAAAAAAAAAAAAAAAAAAAAAAAAJ/f38AAAAAA8zMzADAwP8Af39/AAAAAAAAAAAAAAAAAAAAAAAAAAAAIQAAABgAAAAUAAAAKAUAADsLAADYRQAAACYAABAAAAAmAAAACAAAAAIAAAAAAAAAMAAAABQAAAAAAAAAAAD//wAAAQAAAP//AAABAA=="/>
               </a:ext>
             </a:extLst>
           </p:cNvSpPr>
@@ -1726,7 +1726,7 @@
             <a:spLocks noGrp="1" noChangeArrowheads="1"/>
             <a:extLst>
               <a:ext uri="smNativeData">
-                <pr:smNativeData xmlns:mc="http://schemas.openxmlformats.org/markup-compatibility/2006" xmlns:p14="http://schemas.microsoft.com/office/powerpoint/2010/main" xmlns:p15="http://schemas.microsoft.com/office/powerpoint/2012/main" xmlns:pr="smNativeData" xmlns="smNativeData" val="SMDATA_16_xzE7ZxMAAAAlAAAAZAAAAA0AAAAAkAAAAEgAAACQAAAASAAAAAAAAAABAAAAAAAAAAEAAABQAAAAAAAAAAAA4D8AAAAAAADgPwAAAAAAAOA/AAAAAAAA4D8AAAAAAADgPwAAAAAAAOA/AAAAAAAA4D8AAAAAAADgPwAAAAAAAOA/AAAAAAAA4D8CAAAAjAAAAAAAAAAAAAAARHLEDP///wgAAAAAAAAAAAAAAAAAAAAAAAAAAAAAAAAAAAAAZAAAAAEAAABAAAAAAAAAAAAAAAAAAAAAAAAAAAAAAAAAAAAAAAAAAAAAAAAAAAAAAAAAAAAAAAAAAAAAAAAAAAAAAAAAAAAAAAAAAAAAAAAAAAAAAAAAAAAAAAAAAAAAFAAAADwAAAAAAAAAAAAAAAAAAAkUAAAAAQAAABQAAAAUAAAAFAAAAAEAAAAAAAAAZAAAAGQAAAAAAAAAZAAAAGQAAAAVAAAAYAAAAAAAAAAAAAAADwAAACADAAAAAAAAAAAAAAEAAACgMgAAVgcAAKr4//8BAAAAf39/AAEAAABkAAAAAAAAABQAAABAHwAAAAAAACYAAAAAAAAAwOD//wAAAAAmAAAAZAAAABYAAABMAAAAAAAAAAAAAAAEAAAAAAAAAAEAAADn5uYKAAAAACgAAAAoAAAAZAAAAGQAAAAAAAAAzMzMAAAAAABQAAAAUAAAAGQAAABkAAAAAAAAABcAAAAUAAAAAAAAAAAAAAD/fwAA/38AAAAAAAAJAAAABAAAAAAAAAAeAAAAaAAAAAAAAAAAAAAAAAAAAAAAAAAAAAAAECcAABAnAAAAAAAAAAAAAAAAAAAAAAAAAAAAAAAAAAAAAAAAAAAAABQAAAAAAAAAwMD/AAAAAABkAAAAMgAAAAAAAABkAAAAAAAAAH9/fwAKAAAAIgAAABgAAAAAAAAAAAAAAAAAAAAAAAAAAAAAAAAAAAAkAAAAJAAAAAAAAAAHAAAAAAAAAAAAAAAAAAAAAAAAAAAAAAAAAAAAf39/ACUAAABYAAAAAAAAAAAAAAAAAAAAAAAAAAAAAAAAAAAAAAAAAAAAAAAAAAAAAAAAAAAAAAA/AAAAAAAAAKCGAQAAAAAAAAAAAAAAAAAMAAAAAQAAAAAAAAAAAAAAAAAAAB8AAABUAAAAAAAABQAAAAEAAAAAAAAAAAAAAAAAAAAAAAAAAAAAAAAAAAAAAAAAAAAAAAJ/f38AAAAAA8zMzADAwP8Af39/AAAAAAAAAAAAAAAAAAAAAAAAAAAAIQAAABgAAAAUAAAAKAUAABonAAAIFgAAWSkAABAAAAAmAAAACAAAAAAAAAAAAAAAMAAAABQAAAAAAAAAAAD//wAAAQAAAP//AAABAA=="/>
+                <pr:smNativeData xmlns="smNativeData" xmlns:pr="smNativeData" xmlns:p15="http://schemas.microsoft.com/office/powerpoint/2012/main" xmlns:p14="http://schemas.microsoft.com/office/powerpoint/2010/main" xmlns:mc="http://schemas.openxmlformats.org/markup-compatibility/2006" val="SMDATA_16_xzE7ZxMAAAAlAAAAZAAAAA0AAAAAkAAAAEgAAACQAAAASAAAAAAAAAABAAAAAAAAAAEAAABQAAAAAAAAAAAA4D8AAAAAAADgPwAAAAAAAOA/AAAAAAAA4D8AAAAAAADgPwAAAAAAAOA/AAAAAAAA4D8AAAAAAADgPwAAAAAAAOA/AAAAAAAA4D8CAAAAjAAAAAAAAAAAAAAARHLEDP///wgAAAAAAAAAAAAAAAAAAAAAAAAAAAAAAAAAAAAAZAAAAAEAAABAAAAAAAAAAAAAAAAAAAAAAAAAAAAAAAAAAAAAAAAAAAAAAAAAAAAAAAAAAAAAAAAAAAAAAAAAAAAAAAAAAAAAAAAAAAAAAAAAAAAAAAAAAAAAAAAAAAAAFAAAADwAAAAAAAAAAAAAAAAAAAkUAAAAAQAAABQAAAAUAAAAFAAAAAEAAAAAAAAAZAAAAGQAAAAAAAAAZAAAAGQAAAAVAAAAYAAAAAAAAAAAAAAADwAAACADAAAAAAAAAAAAAAEAAACgMgAAVgcAAKr4//8BAAAAf39/AAEAAABkAAAAAAAAABQAAABAHwAAAAAAACYAAAAAAAAAwOD//wAAAAAmAAAAZAAAABYAAABMAAAAAAAAAAAAAAAEAAAAAAAAAAEAAADn5uYKAAAAACgAAAAoAAAAZAAAAGQAAAAAAAAAzMzMAAAAAABQAAAAUAAAAGQAAABkAAAAAAAAABcAAAAUAAAAAAAAAAAAAAD/fwAA/38AAAAAAAAJAAAABAAAAAAAAAAeAAAAaAAAAAAAAAAAAAAAAAAAAAAAAAAAAAAAECcAABAnAAAAAAAAAAAAAAAAAAAAAAAAAAAAAAAAAAAAAAAAAAAAABQAAAAAAAAAwMD/AAAAAABkAAAAMgAAAAAAAABkAAAAAAAAAH9/fwAKAAAAIgAAABgAAAAAAAAAAAAAAAAAAAAAAAAAAAAAAAAAAAAkAAAAJAAAAAAAAAAHAAAAAAAAAAAAAAAAAAAAAAAAAAAAAAAAAAAAf39/ACUAAABYAAAAAAAAAAAAAAAAAAAAAAAAAAAAAAAAAAAAAAAAAAAAAAAAAAAAAAAAAAAAAAA/AAAAAAAAAKCGAQAAAAAAAAAAAAAAAAAMAAAAAQAAAAAAAAAAAAAAAAAAAB8AAABUAAAAAAAABQAAAAEAAAAAAAAAAAAAAAAAAAAAAAAAAAAAAAAAAAAAAAAAAAAAAAJ/f38AAAAAA8zMzADAwP8Af39/AAAAAAAAAAAAAAAAAAAAAAAAAAAAIQAAABgAAAAUAAAAKAUAABonAAAIFgAAWSkAABAAAAAmAAAACAAAAAAAAAAAAAAAMAAAABQAAAAAAAAAAAD//wAAAQAAAP//AAABAA=="/>
               </a:ext>
             </a:extLst>
           </p:cNvSpPr>
@@ -1743,7 +1743,7 @@
               <a:defRPr lang="ru-ru"/>
             </a:pPr>
             <a:fld id="{3BC5D9F0-BED6-902F-987D-487A97336E1D}" type="datetime1">
-              <a:t>20.11.2024</a:t>
+              <a:t>25.11.2024</a:t>
             </a:fld>
             <a:endParaRPr/>
           </a:p>
@@ -1756,7 +1756,7 @@
             <a:spLocks noGrp="1" noChangeArrowheads="1"/>
             <a:extLst>
               <a:ext uri="smNativeData">
-                <pr:smNativeData xmlns:mc="http://schemas.openxmlformats.org/markup-compatibility/2006" xmlns:p14="http://schemas.microsoft.com/office/powerpoint/2010/main" xmlns:p15="http://schemas.microsoft.com/office/powerpoint/2012/main" xmlns:pr="smNativeData" xmlns="smNativeData" val="SMDATA_16_xzE7ZxMAAAAlAAAAZAAAAA0AAAAAkAAAAEgAAACQAAAASAAAAAAAAAABAAAAAAAAAAEAAABQAAAAAAAAAAAA4D8AAAAAAADgPwAAAAAAAOA/AAAAAAAA4D8AAAAAAADgPwAAAAAAAOA/AAAAAAAA4D8AAAAAAADgPwAAAAAAAOA/AAAAAAAA4D8CAAAAjAAAAAAAAAAAAAAARHLEDP///wgAAAAAAAAAAAAAAAAAAAAAAAAAAAAAAAAAAAAAZAAAAAEAAABAAAAAAAAAAAAAAAAAAAAAAAAAAAAAAAAAAAAAAAAAAAAAAAAAAAAAAAAAAAAAAAAAAAAAAAAAAAAAAAAAAAAAAAAAAAAAAAAAAAAAAAAAAAAAAAAAAAAAFAAAADwAAAAAAAAAAAAAAAAAAAkUAAAAAQAAABQAAAAUAAAAFAAAAAEAAAAAAAAAZAAAAGQAAAAAAAAAZAAAAGQAAAAVAAAAYAAAAAAAAAAAAAAADwAAACADAAAAAAAAAAAAAAEAAACgMgAAVgcAAKr4//8BAAAAf39/AAEAAABkAAAAAAAAABQAAABAHwAAAAAAACYAAAAAAAAAwOD//wAAAAAmAAAAZAAAABYAAABMAAAAAAAAAAAAAAAEAAAAAAAAAAEAAADn5uYKAAAAACgAAAAoAAAAZAAAAGQAAAAAAAAAzMzMAAAAAABQAAAAUAAAAGQAAABkAAAAAAAAABcAAAAUAAAAAAAAAAAAAAD/fwAA/38AAAAAAAAJAAAABAAAAAAAAAAeAAAAaAAAAAAAAAAAAAAAAAAAAAAAAAAAAAAAECcAABAnAAAAAAAAAAAAAAAAAAAAAAAAAAAAAAAAAAAAAAAAAAAAABQAAAAAAAAAwMD/AAAAAABkAAAAMgAAAAAAAABkAAAAAAAAAH9/fwAKAAAAIgAAABgAAAAAAAAAAAAAAAAAAAAAAAAAAAAAAAAAAAAkAAAAJAAAAAAAAAAHAAAAAAAAAAAAAAAAAAAAAAAAAAAAAAAAAAAAf39/ACUAAABYAAAAAAAAAAAAAAAAAAAAAAAAAAAAAAAAAAAAAAAAAAAAAAAAAAAAAAAAAAAAAAA/AAAAAAAAAKCGAQAAAAAAAAAAAAAAAAAMAAAAAQAAAAAAAAAAAAAAAAAAAB8AAABUAAAAAAAABQAAAAEAAAAAAAAAAAAAAAAAAAAAAAAAAAAAAAAAAAAAAAAAAAAAAAJ/f38AAAAAA8zMzADAwP8Af39/AAAAAAAAAAAAAAAAAAAAAAAAAAAAIQAAABgAAAAUAAAA2BgAABonAAAoMgAAWSkAABAAAAAmAAAACAAAAAAAAAAAAAAAMAAAABQAAAAAAAAAAAD//wAAAQAAAP//AAABAA=="/>
+                <pr:smNativeData xmlns="smNativeData" xmlns:pr="smNativeData" xmlns:p15="http://schemas.microsoft.com/office/powerpoint/2012/main" xmlns:p14="http://schemas.microsoft.com/office/powerpoint/2010/main" xmlns:mc="http://schemas.openxmlformats.org/markup-compatibility/2006" val="SMDATA_16_xzE7ZxMAAAAlAAAAZAAAAA0AAAAAkAAAAEgAAACQAAAASAAAAAAAAAABAAAAAAAAAAEAAABQAAAAAAAAAAAA4D8AAAAAAADgPwAAAAAAAOA/AAAAAAAA4D8AAAAAAADgPwAAAAAAAOA/AAAAAAAA4D8AAAAAAADgPwAAAAAAAOA/AAAAAAAA4D8CAAAAjAAAAAAAAAAAAAAARHLEDP///wgAAAAAAAAAAAAAAAAAAAAAAAAAAAAAAAAAAAAAZAAAAAEAAABAAAAAAAAAAAAAAAAAAAAAAAAAAAAAAAAAAAAAAAAAAAAAAAAAAAAAAAAAAAAAAAAAAAAAAAAAAAAAAAAAAAAAAAAAAAAAAAAAAAAAAAAAAAAAAAAAAAAAFAAAADwAAAAAAAAAAAAAAAAAAAkUAAAAAQAAABQAAAAUAAAAFAAAAAEAAAAAAAAAZAAAAGQAAAAAAAAAZAAAAGQAAAAVAAAAYAAAAAAAAAAAAAAADwAAACADAAAAAAAAAAAAAAEAAACgMgAAVgcAAKr4//8BAAAAf39/AAEAAABkAAAAAAAAABQAAABAHwAAAAAAACYAAAAAAAAAwOD//wAAAAAmAAAAZAAAABYAAABMAAAAAAAAAAAAAAAEAAAAAAAAAAEAAADn5uYKAAAAACgAAAAoAAAAZAAAAGQAAAAAAAAAzMzMAAAAAABQAAAAUAAAAGQAAABkAAAAAAAAABcAAAAUAAAAAAAAAAAAAAD/fwAA/38AAAAAAAAJAAAABAAAAAAAAAAeAAAAaAAAAAAAAAAAAAAAAAAAAAAAAAAAAAAAECcAABAnAAAAAAAAAAAAAAAAAAAAAAAAAAAAAAAAAAAAAAAAAAAAABQAAAAAAAAAwMD/AAAAAABkAAAAMgAAAAAAAABkAAAAAAAAAH9/fwAKAAAAIgAAABgAAAAAAAAAAAAAAAAAAAAAAAAAAAAAAAAAAAAkAAAAJAAAAAAAAAAHAAAAAAAAAAAAAAAAAAAAAAAAAAAAAAAAAAAAf39/ACUAAABYAAAAAAAAAAAAAAAAAAAAAAAAAAAAAAAAAAAAAAAAAAAAAAAAAAAAAAAAAAAAAAA/AAAAAAAAAKCGAQAAAAAAAAAAAAAAAAAMAAAAAQAAAAAAAAAAAAAAAAAAAB8AAABUAAAAAAAABQAAAAEAAAAAAAAAAAAAAAAAAAAAAAAAAAAAAAAAAAAAAAAAAAAAAAJ/f38AAAAAA8zMzADAwP8Af39/AAAAAAAAAAAAAAAAAAAAAAAAAAAAIQAAABgAAAAUAAAA2BgAABonAAAoMgAAWSkAABAAAAAmAAAACAAAAAAAAAAAAAAAMAAAABQAAAAAAAAAAAD//wAAAQAAAP//AAABAA=="/>
               </a:ext>
             </a:extLst>
           </p:cNvSpPr>
@@ -1783,7 +1783,7 @@
             <a:spLocks noGrp="1" noChangeArrowheads="1"/>
             <a:extLst>
               <a:ext uri="smNativeData">
-                <pr:smNativeData xmlns:mc="http://schemas.openxmlformats.org/markup-compatibility/2006" xmlns:p14="http://schemas.microsoft.com/office/powerpoint/2010/main" xmlns:p15="http://schemas.microsoft.com/office/powerpoint/2012/main" xmlns:pr="smNativeData" xmlns="smNativeData" val="SMDATA_16_xzE7ZxMAAAAlAAAAZAAAAA0AAAAAkAAAAEgAAACQAAAASAAAAAAAAAABAAAAAAAAAAEAAABQAAAAAAAAAAAA4D8AAAAAAADgPwAAAAAAAOA/AAAAAAAA4D8AAAAAAADgPwAAAAAAAOA/AAAAAAAA4D8AAAAAAADgPwAAAAAAAOA/AAAAAAAA4D8CAAAAjAAAAAAAAAAAAAAARHLEDP///wgAAAAAAAAAAAAAAAAAAAAAAAAAAAAAAAAAAAAAZAAAAAEAAABAAAAAAAAAAAAAAAAAAAAAAAAAAAAAAAAAAAAAAAAAAAAAAAAAAAAAAAAAAAAAAAAAAAAAAAAAAAAAAAAAAAAAAAAAAAAAAAAAAAAAAAAAAAAAAAAAAAAAFAAAADwAAAAAAAAAAAAAAAAAAAkUAAAAAQAAABQAAAAUAAAAFAAAAAEAAAAAAAAAZAAAAGQAAAAAAAAAZAAAAGQAAAAVAAAAYAAAAAAAAAAAAAAADwAAACADAAAAAAAAAAAAAAEAAACgMgAAVgcAAKr4//8BAAAAf39/AAEAAABkAAAAAAAAABQAAABAHwAAAAAAACYAAAAAAAAAwOD//wAAAAAmAAAAZAAAABYAAABMAAAAAAAAAAAAAAAEAAAAAAAAAAEAAADn5uYKAAAAACgAAAAoAAAAZAAAAGQAAAAAAAAAzMzMAAAAAABQAAAAUAAAAGQAAABkAAAAAAAAABcAAAAUAAAAAAAAAAAAAAD/fwAA/38AAAAAAAAJAAAABAAAAAAAAAAeAAAAaAAAAAAAAAAAAAAAAAAAAAAAAAAAAAAAECcAABAnAAAAAAAAAAAAAAAAAAAAAAAAAAAAAAAAAAAAAAAAAAAAABQAAAAAAAAAwMD/AAAAAABkAAAAMgAAAAAAAABkAAAAAAAAAH9/fwAKAAAAIgAAABgAAAAAAAAAAAAAAAAAAAAAAAAAAAAAAAAAAAAkAAAAJAAAAAAAAAAHAAAAAAAAAAAAAAAAAAAAAAAAAAAAAAAAAAAAf39/ACUAAABYAAAAAAAAAAAAAAAAAAAAAAAAAAAAAAAAAAAAAAAAAAAAAAAAAAAAAAAAAAAAAAA/AAAAAAAAAKCGAQAAAAAAAAAAAAAAAAAMAAAAAQAAAAAAAAAAAAAAAAAAAB8AAABUAAAAAAAABQAAAAEAAAAAAAAAAAAAAAAAAAAAAAAAAAAAAAAAAAAAAAAAAAAAAAJ/f38AAAAAA8zMzADAwP8Af39/AAAAAAAAAAAAAAAAAAAAAAAAAAAAIQAAABgAAAAUAAAA+DQAABonAADYRQAAWSkAABAAAAAmAAAACAAAAAAAAAAAAAAAMAAAABQAAAAAAAAAAAD//wAAAQAAAP//AAABAA=="/>
+                <pr:smNativeData xmlns="smNativeData" xmlns:pr="smNativeData" xmlns:p15="http://schemas.microsoft.com/office/powerpoint/2012/main" xmlns:p14="http://schemas.microsoft.com/office/powerpoint/2010/main" xmlns:mc="http://schemas.openxmlformats.org/markup-compatibility/2006" val="SMDATA_16_xzE7ZxMAAAAlAAAAZAAAAA0AAAAAkAAAAEgAAACQAAAASAAAAAAAAAABAAAAAAAAAAEAAABQAAAAAAAAAAAA4D8AAAAAAADgPwAAAAAAAOA/AAAAAAAA4D8AAAAAAADgPwAAAAAAAOA/AAAAAAAA4D8AAAAAAADgPwAAAAAAAOA/AAAAAAAA4D8CAAAAjAAAAAAAAAAAAAAARHLEDP///wgAAAAAAAAAAAAAAAAAAAAAAAAAAAAAAAAAAAAAZAAAAAEAAABAAAAAAAAAAAAAAAAAAAAAAAAAAAAAAAAAAAAAAAAAAAAAAAAAAAAAAAAAAAAAAAAAAAAAAAAAAAAAAAAAAAAAAAAAAAAAAAAAAAAAAAAAAAAAAAAAAAAAFAAAADwAAAAAAAAAAAAAAAAAAAkUAAAAAQAAABQAAAAUAAAAFAAAAAEAAAAAAAAAZAAAAGQAAAAAAAAAZAAAAGQAAAAVAAAAYAAAAAAAAAAAAAAADwAAACADAAAAAAAAAAAAAAEAAACgMgAAVgcAAKr4//8BAAAAf39/AAEAAABkAAAAAAAAABQAAABAHwAAAAAAACYAAAAAAAAAwOD//wAAAAAmAAAAZAAAABYAAABMAAAAAAAAAAAAAAAEAAAAAAAAAAEAAADn5uYKAAAAACgAAAAoAAAAZAAAAGQAAAAAAAAAzMzMAAAAAABQAAAAUAAAAGQAAABkAAAAAAAAABcAAAAUAAAAAAAAAAAAAAD/fwAA/38AAAAAAAAJAAAABAAAAAAAAAAeAAAAaAAAAAAAAAAAAAAAAAAAAAAAAAAAAAAAECcAABAnAAAAAAAAAAAAAAAAAAAAAAAAAAAAAAAAAAAAAAAAAAAAABQAAAAAAAAAwMD/AAAAAABkAAAAMgAAAAAAAABkAAAAAAAAAH9/fwAKAAAAIgAAABgAAAAAAAAAAAAAAAAAAAAAAAAAAAAAAAAAAAAkAAAAJAAAAAAAAAAHAAAAAAAAAAAAAAAAAAAAAAAAAAAAAAAAAAAAf39/ACUAAABYAAAAAAAAAAAAAAAAAAAAAAAAAAAAAAAAAAAAAAAAAAAAAAAAAAAAAAAAAAAAAAA/AAAAAAAAAKCGAQAAAAAAAAAAAAAAAAAMAAAAAQAAAAAAAAAAAAAAAAAAAB8AAABUAAAAAAAABQAAAAEAAAAAAAAAAAAAAAAAAAAAAAAAAAAAAAAAAAAAAAAAAAAAAAJ/f38AAAAAA8zMzADAwP8Af39/AAAAAAAAAAAAAAAAAAAAAAAAAAAAIQAAABgAAAAUAAAA+DQAABonAADYRQAAWSkAABAAAAAmAAAACAAAAAAAAAAAAAAAMAAAABQAAAAAAAAAAAD//wAAAQAAAP//AAABAA=="/>
               </a:ext>
             </a:extLst>
           </p:cNvSpPr>
@@ -1839,7 +1839,7 @@
             <a:spLocks noGrp="1" noChangeArrowheads="1"/>
             <a:extLst>
               <a:ext uri="smNativeData">
-                <pr:smNativeData xmlns:mc="http://schemas.openxmlformats.org/markup-compatibility/2006" xmlns:p14="http://schemas.microsoft.com/office/powerpoint/2010/main" xmlns:p15="http://schemas.microsoft.com/office/powerpoint/2012/main" xmlns:pr="smNativeData" xmlns="smNativeData" val="SMDATA_16_xzE7ZxMAAAAlAAAAZAAAAA0AAAAAkAAAAEgAAACQAAAASAAAAAAAAAABAAAAAQAAAAEAAABQAAAAAAAAAAAA4D8AAAAAAADgPwAAAAAAAOA/AAAAAAAA4D8AAAAAAADgPwAAAAAAAOA/AAAAAAAA4D8AAAAAAADgPwAAAAAAAOA/AAAAAAAA4D8CAAAAjAAAAAAAAAAAAAAARHLEDP///wgAAAAAAAAAAAAAAAAAAAAAAAAAAAAAAAAAAAAAZAAAAAEAAABAAAAAAAAAAAAAAAAAAAAAAAAAAAAAAAAAAAAAAAAAAAAAAAAAAAAAAAAAAAAAAAAAAAAAAAAAAAAAAAAAAAAAAAAAAAAAAAAAAAAAAAAAAAAAAAAAAAAAFAAAADwAAAAAAAAAAAAAAAAAAAkUAAAAAQAAABQAAAAUAAAAFAAAAAEAAAAAAAAAZAAAAGQAAAAAAAAAZAAAAGQAAAAVAAAAYAAAAAAAAAAAAAAADwAAACADAAAAAAAAAAAAAAEAAACgMgAAVgcAAKr4//8BAAAAf39/AAEAAABkAAAAAAAAABQAAABAHwAAAAAAACYAAAAAAAAAwOD//wAAAAAmAAAAZAAAABYAAABMAAAAAAAAAAAAAAAEAAAAAAAAAAEAAADn5uYKAAAAACgAAAAoAAAAZAAAAGQAAAAAAAAAzMzMAAAAAABQAAAAUAAAAGQAAABkAAAAAAAAABcAAAAUAAAAAAAAAAAAAAD/fwAA/38AAAAAAAAJAAAABAAAAAAAAAAeAAAAaAAAAAAAAAAAAAAAAAAAAAAAAAAAAAAAECcAABAnAAAAAAAAAAAAAAAAAAAAAAAAAAAAAAAAAAAAAAAAAAAAABQAAAAAAAAAwMD/AAAAAABkAAAAMgAAAAAAAABkAAAAAAAAAH9/fwAKAAAAIgAAABgAAAAAAAAAAAAAAAAAAAAAAAAAAAAAAAAAAAAkAAAAJAAAAAAAAAAHAAAAAAAAAAAAAAAAAAAAAAAAAAAAAAAAAAAAf39/ACUAAABYAAAAAAAAAAAAAAAAAAAAAAAAAAAAAAAAAAAAAAAAAAAAAAAAAAAAAAAAAAAAAAA/AAAAAAAAAKCGAQAAAAAAAAAAAAAAAAAMAAAAAQAAAAAAAAAAAAAAAAAAAB8AAABUAAAAAAAABQAAAAEAAAAAAAAAAAAAAAAAAAAAAAAAAAAAAAAAAAAAAAAAAAAAAAJ/f38AAAAAA8zMzADAwP8Af39/AAAAAAAAAAAAAAAAAAAAAAAAAAAAIQAAABgAAAAUAAAArDUAAD8CAADYRQAAACYAABAAAAAmAAAACAAAAAMAAAAAAAAAMAAAABQAAAAAAAAAAAD//wAAAQAAAP//AAABAA=="/>
+                <pr:smNativeData xmlns="smNativeData" xmlns:pr="smNativeData" xmlns:p15="http://schemas.microsoft.com/office/powerpoint/2012/main" xmlns:p14="http://schemas.microsoft.com/office/powerpoint/2010/main" xmlns:mc="http://schemas.openxmlformats.org/markup-compatibility/2006" val="SMDATA_16_xzE7ZxMAAAAlAAAAZAAAAA0AAAAAkAAAAEgAAACQAAAASAAAAAAAAAABAAAAAQAAAAEAAABQAAAAAAAAAAAA4D8AAAAAAADgPwAAAAAAAOA/AAAAAAAA4D8AAAAAAADgPwAAAAAAAOA/AAAAAAAA4D8AAAAAAADgPwAAAAAAAOA/AAAAAAAA4D8CAAAAjAAAAAAAAAAAAAAARHLEDP///wgAAAAAAAAAAAAAAAAAAAAAAAAAAAAAAAAAAAAAZAAAAAEAAABAAAAAAAAAAAAAAAAAAAAAAAAAAAAAAAAAAAAAAAAAAAAAAAAAAAAAAAAAAAAAAAAAAAAAAAAAAAAAAAAAAAAAAAAAAAAAAAAAAAAAAAAAAAAAAAAAAAAAFAAAADwAAAAAAAAAAAAAAAAAAAkUAAAAAQAAABQAAAAUAAAAFAAAAAEAAAAAAAAAZAAAAGQAAAAAAAAAZAAAAGQAAAAVAAAAYAAAAAAAAAAAAAAADwAAACADAAAAAAAAAAAAAAEAAACgMgAAVgcAAKr4//8BAAAAf39/AAEAAABkAAAAAAAAABQAAABAHwAAAAAAACYAAAAAAAAAwOD//wAAAAAmAAAAZAAAABYAAABMAAAAAAAAAAAAAAAEAAAAAAAAAAEAAADn5uYKAAAAACgAAAAoAAAAZAAAAGQAAAAAAAAAzMzMAAAAAABQAAAAUAAAAGQAAABkAAAAAAAAABcAAAAUAAAAAAAAAAAAAAD/fwAA/38AAAAAAAAJAAAABAAAAAAAAAAeAAAAaAAAAAAAAAAAAAAAAAAAAAAAAAAAAAAAECcAABAnAAAAAAAAAAAAAAAAAAAAAAAAAAAAAAAAAAAAAAAAAAAAABQAAAAAAAAAwMD/AAAAAABkAAAAMgAAAAAAAABkAAAAAAAAAH9/fwAKAAAAIgAAABgAAAAAAAAAAAAAAAAAAAAAAAAAAAAAAAAAAAAkAAAAJAAAAAAAAAAHAAAAAAAAAAAAAAAAAAAAAAAAAAAAAAAAAAAAf39/ACUAAABYAAAAAAAAAAAAAAAAAAAAAAAAAAAAAAAAAAAAAAAAAAAAAAAAAAAAAAAAAAAAAAA/AAAAAAAAAKCGAQAAAAAAAAAAAAAAAAAMAAAAAQAAAAAAAAAAAAAAAAAAAB8AAABUAAAAAAAABQAAAAEAAAAAAAAAAAAAAAAAAAAAAAAAAAAAAAAAAAAAAAAAAAAAAAJ/f38AAAAAA8zMzADAwP8Af39/AAAAAAAAAAAAAAAAAAAAAAAAAAAAIQAAABgAAAAUAAAArDUAAD8CAADYRQAAACYAABAAAAAmAAAACAAAAAMAAAAAAAAAMAAAABQAAAAAAAAAAAD//wAAAQAAAP//AAABAA=="/>
               </a:ext>
             </a:extLst>
           </p:cNvSpPr>
@@ -1877,7 +1877,7 @@
             <a:spLocks noGrp="1" noChangeArrowheads="1"/>
             <a:extLst>
               <a:ext uri="smNativeData">
-                <pr:smNativeData xmlns:mc="http://schemas.openxmlformats.org/markup-compatibility/2006" xmlns:p14="http://schemas.microsoft.com/office/powerpoint/2010/main" xmlns:p15="http://schemas.microsoft.com/office/powerpoint/2012/main" xmlns:pr="smNativeData" xmlns="smNativeData" val="SMDATA_16_xzE7ZxMAAAAlAAAAZAAAAA0AAAAAkAAAAEgAAACQAAAASAAAAAAAAAAAAAAAAQAAAAEAAABQAAAAAAAAAAAA4D8AAAAAAADgPwAAAAAAAOA/AAAAAAAA4D8AAAAAAADgPwAAAAAAAOA/AAAAAAAA4D8AAAAAAADgPwAAAAAAAOA/AAAAAAAA4D8CAAAAjAAAAAAAAAAAAAAARHLEDP///wgAAAAAAAAAAAAAAAAAAAAAAAAAAAAAAAAAAAAAZAAAAAEAAABAAAAAAAAAAAAAAAAAAAAAAAAAAAAAAAAAAAAAAAAAAAAAAAAAAAAAAAAAAAAAAAAAAAAAAAAAAAAAAAAAAAAAAAAAAAAAAAAAAAAAAAAAAAAAAAAAAAAAFAAAADwAAAAAAAAAAAAAAAAAAAkUAAAAAQAAABQAAAAUAAAAFAAAAAEAAAAAAAAAZAAAAGQAAAAAAAAAZAAAAGQAAAAVAAAAYAAAAAAAAAAAAAAADwAAACADAAAAAAAAAAAAAAEAAACgMgAAVgcAAKr4//8BAAAAf39/AAEAAABkAAAAAAAAABQAAABAHwAAAAAAACYAAAAAAAAAwOD//wAAAAAmAAAAZAAAABYAAABMAAAAAAAAAAAAAAAEAAAAAAAAAAEAAADn5uYKAAAAACgAAAAoAAAAZAAAAGQAAAAAAAAAzMzMAAAAAABQAAAAUAAAAGQAAABkAAAAAAAAABcAAAAUAAAAAAAAAAAAAAD/fwAA/38AAAAAAAAJAAAABAAAAAAAAAAeAAAAaAAAAAAAAAAAAAAAAAAAAAAAAAAAAAAAECcAABAnAAAAAAAAAAAAAAAAAAAAAAAAAAAAAAAAAAAAAAAAAAAAABQAAAAAAAAAwMD/AAAAAABkAAAAMgAAAAAAAABkAAAAAAAAAH9/fwAKAAAAIgAAABgAAAAAAAAAAAAAAAAAAAAAAAAAAAAAAAAAAAAkAAAAJAAAAAAAAAAHAAAAAAAAAAAAAAAAAAAAAAAAAAAAAAAAAAAAf39/ACUAAABYAAAAAAAAAAAAAAAAAAAAAAAAAAAAAAAAAAAAAAAAAAAAAAAAAAAAAAAAAAAAAAA/AAAAAAAAAKCGAQAAAAAAAAAAAAAAAAAMAAAAAQAAAAAAAAAAAAAAAAAAAB8AAABUAAAAAAAABQAAAAEAAAAAAAAAAAAAAAAAAAAAAAAAAAAAAAAAAAAAAAAAAAAAAAJ/f38AAAAAA8zMzADAwP8Af39/AAAAAAAAAAAAAAAAAAAAAAAAAAAAIQAAABgAAAAUAAAAKAUAAD8CAAC8NAAAACYAABAAAAAmAAAACAAAAAMAAAAAAAAAMAAAABQAAAAAAAAAAAD//wAAAQAAAP//AAABAA=="/>
+                <pr:smNativeData xmlns="smNativeData" xmlns:pr="smNativeData" xmlns:p15="http://schemas.microsoft.com/office/powerpoint/2012/main" xmlns:p14="http://schemas.microsoft.com/office/powerpoint/2010/main" xmlns:mc="http://schemas.openxmlformats.org/markup-compatibility/2006" val="SMDATA_16_xzE7ZxMAAAAlAAAAZAAAAA0AAAAAkAAAAEgAAACQAAAASAAAAAAAAAAAAAAAAQAAAAEAAABQAAAAAAAAAAAA4D8AAAAAAADgPwAAAAAAAOA/AAAAAAAA4D8AAAAAAADgPwAAAAAAAOA/AAAAAAAA4D8AAAAAAADgPwAAAAAAAOA/AAAAAAAA4D8CAAAAjAAAAAAAAAAAAAAARHLEDP///wgAAAAAAAAAAAAAAAAAAAAAAAAAAAAAAAAAAAAAZAAAAAEAAABAAAAAAAAAAAAAAAAAAAAAAAAAAAAAAAAAAAAAAAAAAAAAAAAAAAAAAAAAAAAAAAAAAAAAAAAAAAAAAAAAAAAAAAAAAAAAAAAAAAAAAAAAAAAAAAAAAAAAFAAAADwAAAAAAAAAAAAAAAAAAAkUAAAAAQAAABQAAAAUAAAAFAAAAAEAAAAAAAAAZAAAAGQAAAAAAAAAZAAAAGQAAAAVAAAAYAAAAAAAAAAAAAAADwAAACADAAAAAAAAAAAAAAEAAACgMgAAVgcAAKr4//8BAAAAf39/AAEAAABkAAAAAAAAABQAAABAHwAAAAAAACYAAAAAAAAAwOD//wAAAAAmAAAAZAAAABYAAABMAAAAAAAAAAAAAAAEAAAAAAAAAAEAAADn5uYKAAAAACgAAAAoAAAAZAAAAGQAAAAAAAAAzMzMAAAAAABQAAAAUAAAAGQAAABkAAAAAAAAABcAAAAUAAAAAAAAAAAAAAD/fwAA/38AAAAAAAAJAAAABAAAAAAAAAAeAAAAaAAAAAAAAAAAAAAAAAAAAAAAAAAAAAAAECcAABAnAAAAAAAAAAAAAAAAAAAAAAAAAAAAAAAAAAAAAAAAAAAAABQAAAAAAAAAwMD/AAAAAABkAAAAMgAAAAAAAABkAAAAAAAAAH9/fwAKAAAAIgAAABgAAAAAAAAAAAAAAAAAAAAAAAAAAAAAAAAAAAAkAAAAJAAAAAAAAAAHAAAAAAAAAAAAAAAAAAAAAAAAAAAAAAAAAAAAf39/ACUAAABYAAAAAAAAAAAAAAAAAAAAAAAAAAAAAAAAAAAAAAAAAAAAAAAAAAAAAAAAAAAAAAA/AAAAAAAAAKCGAQAAAAAAAAAAAAAAAAAMAAAAAQAAAAAAAAAAAAAAAAAAAB8AAABUAAAAAAAABQAAAAEAAAAAAAAAAAAAAAAAAAAAAAAAAAAAAAAAAAAAAAAAAAAAAAJ/f38AAAAAA8zMzADAwP8Af39/AAAAAAAAAAAAAAAAAAAAAAAAAAAAIQAAABgAAAAUAAAAKAUAAD8CAAC8NAAAACYAABAAAAAmAAAACAAAAAMAAAAAAAAAMAAAABQAAAAAAAAAAAD//wAAAQAAAP//AAABAA=="/>
               </a:ext>
             </a:extLst>
           </p:cNvSpPr>
@@ -1947,7 +1947,7 @@
             <a:spLocks noGrp="1" noChangeArrowheads="1"/>
             <a:extLst>
               <a:ext uri="smNativeData">
-                <pr:smNativeData xmlns:mc="http://schemas.openxmlformats.org/markup-compatibility/2006" xmlns:p14="http://schemas.microsoft.com/office/powerpoint/2010/main" xmlns:p15="http://schemas.microsoft.com/office/powerpoint/2012/main" xmlns:pr="smNativeData" xmlns="smNativeData" val="SMDATA_16_xzE7ZxMAAAAlAAAAZAAAAA0AAAAAkAAAAEgAAACQAAAASAAAAAAAAAABAAAAAAAAAAEAAABQAAAAAAAAAAAA4D8AAAAAAADgPwAAAAAAAOA/AAAAAAAA4D8AAAAAAADgPwAAAAAAAOA/AAAAAAAA4D8AAAAAAADgPwAAAAAAAOA/AAAAAAAA4D8CAAAAjAAAAAAAAAAAAAAARHLEDP///wgAAAAAAAAAAAAAAAAAAAAAAAAAAAAAAAAAAAAAZAAAAAEAAABAAAAAAAAAAAAAAAAAAAAAAAAAAAAAAAAAAAAAAAAAAAAAAAAAAAAAAAAAAAAAAAAAAAAAAAAAAAAAAAAAAAAAAAAAAAAAAAAAAAAAAAAAAAAAAAAAAAAAFAAAADwAAAAAAAAAAAAAAAAAAAkUAAAAAQAAABQAAAAUAAAAFAAAAAEAAAAAAAAAZAAAAGQAAAAAAAAAZAAAAGQAAAAVAAAAYAAAAAAAAAAAAAAADwAAACADAAAAAAAAAAAAAAEAAACgMgAAVgcAAKr4//8BAAAAf39/AAEAAABkAAAAAAAAABQAAABAHwAAAAAAACYAAAAAAAAAwOD//wAAAAAmAAAAZAAAABYAAABMAAAAAAAAAAAAAAAEAAAAAAAAAAEAAADn5uYKAAAAACgAAAAoAAAAZAAAAGQAAAAAAAAAzMzMAAAAAABQAAAAUAAAAGQAAABkAAAAAAAAABcAAAAUAAAAAAAAAAAAAAD/fwAA/38AAAAAAAAJAAAABAAAAAAAAAAeAAAAaAAAAAAAAAAAAAAAAAAAAAAAAAAAAAAAECcAABAnAAAAAAAAAAAAAAAAAAAAAAAAAAAAAAAAAAAAAAAAAAAAABQAAAAAAAAAwMD/AAAAAABkAAAAMgAAAAAAAABkAAAAAAAAAH9/fwAKAAAAIgAAABgAAAAAAAAAAAAAAAAAAAAAAAAAAAAAAAAAAAAkAAAAJAAAAAAAAAAHAAAAAAAAAAAAAAAAAAAAAAAAAAAAAAAAAAAAf39/ACUAAABYAAAAAAAAAAAAAAAAAAAAAAAAAAAAAAAAAAAAAAAAAAAAAAAAAAAAAAAAAAAAAAA/AAAAAAAAAKCGAQAAAAAAAAAAAAAAAAAMAAAAAQAAAAAAAAAAAAAAAAAAAB8AAABUAAAAAAAABQAAAAEAAAAAAAAAAAAAAAAAAAAAAAAAAAAAAAAAAAAAAAAAAAAAAAJ/f38AAAAAA8zMzADAwP8Af39/AAAAAAAAAAAAAAAAAAAAAAAAAAAAIQAAABgAAAAUAAAAKAUAABonAAAIFgAAWSkAABAAAAAmAAAACAAAAAAAAAAAAAAAMAAAABQAAAAAAAAAAAD//wAAAQAAAP//AAABAA=="/>
+                <pr:smNativeData xmlns="smNativeData" xmlns:pr="smNativeData" xmlns:p15="http://schemas.microsoft.com/office/powerpoint/2012/main" xmlns:p14="http://schemas.microsoft.com/office/powerpoint/2010/main" xmlns:mc="http://schemas.openxmlformats.org/markup-compatibility/2006" val="SMDATA_16_xzE7ZxMAAAAlAAAAZAAAAA0AAAAAkAAAAEgAAACQAAAASAAAAAAAAAABAAAAAAAAAAEAAABQAAAAAAAAAAAA4D8AAAAAAADgPwAAAAAAAOA/AAAAAAAA4D8AAAAAAADgPwAAAAAAAOA/AAAAAAAA4D8AAAAAAADgPwAAAAAAAOA/AAAAAAAA4D8CAAAAjAAAAAAAAAAAAAAARHLEDP///wgAAAAAAAAAAAAAAAAAAAAAAAAAAAAAAAAAAAAAZAAAAAEAAABAAAAAAAAAAAAAAAAAAAAAAAAAAAAAAAAAAAAAAAAAAAAAAAAAAAAAAAAAAAAAAAAAAAAAAAAAAAAAAAAAAAAAAAAAAAAAAAAAAAAAAAAAAAAAAAAAAAAAFAAAADwAAAAAAAAAAAAAAAAAAAkUAAAAAQAAABQAAAAUAAAAFAAAAAEAAAAAAAAAZAAAAGQAAAAAAAAAZAAAAGQAAAAVAAAAYAAAAAAAAAAAAAAADwAAACADAAAAAAAAAAAAAAEAAACgMgAAVgcAAKr4//8BAAAAf39/AAEAAABkAAAAAAAAABQAAABAHwAAAAAAACYAAAAAAAAAwOD//wAAAAAmAAAAZAAAABYAAABMAAAAAAAAAAAAAAAEAAAAAAAAAAEAAADn5uYKAAAAACgAAAAoAAAAZAAAAGQAAAAAAAAAzMzMAAAAAABQAAAAUAAAAGQAAABkAAAAAAAAABcAAAAUAAAAAAAAAAAAAAD/fwAA/38AAAAAAAAJAAAABAAAAAAAAAAeAAAAaAAAAAAAAAAAAAAAAAAAAAAAAAAAAAAAECcAABAnAAAAAAAAAAAAAAAAAAAAAAAAAAAAAAAAAAAAAAAAAAAAABQAAAAAAAAAwMD/AAAAAABkAAAAMgAAAAAAAABkAAAAAAAAAH9/fwAKAAAAIgAAABgAAAAAAAAAAAAAAAAAAAAAAAAAAAAAAAAAAAAkAAAAJAAAAAAAAAAHAAAAAAAAAAAAAAAAAAAAAAAAAAAAAAAAAAAAf39/ACUAAABYAAAAAAAAAAAAAAAAAAAAAAAAAAAAAAAAAAAAAAAAAAAAAAAAAAAAAAAAAAAAAAA/AAAAAAAAAKCGAQAAAAAAAAAAAAAAAAAMAAAAAQAAAAAAAAAAAAAAAAAAAB8AAABUAAAAAAAABQAAAAEAAAAAAAAAAAAAAAAAAAAAAAAAAAAAAAAAAAAAAAAAAAAAAAJ/f38AAAAAA8zMzADAwP8Af39/AAAAAAAAAAAAAAAAAAAAAAAAAAAAIQAAABgAAAAUAAAAKAUAABonAAAIFgAAWSkAABAAAAAmAAAACAAAAAAAAAAAAAAAMAAAABQAAAAAAAAAAAD//wAAAQAAAP//AAABAA=="/>
               </a:ext>
             </a:extLst>
           </p:cNvSpPr>
@@ -1964,7 +1964,7 @@
               <a:defRPr lang="ru-ru"/>
             </a:pPr>
             <a:fld id="{3BC5C07F-31D6-9036-987D-C7638E336E92}" type="datetime1">
-              <a:t>20.11.2024</a:t>
+              <a:t>25.11.2024</a:t>
             </a:fld>
             <a:endParaRPr/>
           </a:p>
@@ -1977,7 +1977,7 @@
             <a:spLocks noGrp="1" noChangeArrowheads="1"/>
             <a:extLst>
               <a:ext uri="smNativeData">
-                <pr:smNativeData xmlns:mc="http://schemas.openxmlformats.org/markup-compatibility/2006" xmlns:p14="http://schemas.microsoft.com/office/powerpoint/2010/main" xmlns:p15="http://schemas.microsoft.com/office/powerpoint/2012/main" xmlns:pr="smNativeData" xmlns="smNativeData" val="SMDATA_16_xzE7ZxMAAAAlAAAAZAAAAA0AAAAAkAAAAEgAAACQAAAASAAAAAAAAAABAAAAAAAAAAEAAABQAAAAAAAAAAAA4D8AAAAAAADgPwAAAAAAAOA/AAAAAAAA4D8AAAAAAADgPwAAAAAAAOA/AAAAAAAA4D8AAAAAAADgPwAAAAAAAOA/AAAAAAAA4D8CAAAAjAAAAAAAAAAAAAAARHLEDP///wgAAAAAAAAAAAAAAAAAAAAAAAAAAAAAAAAAAAAAZAAAAAEAAABAAAAAAAAAAAAAAAAAAAAAAAAAAAAAAAAAAAAAAAAAAAAAAAAAAAAAAAAAAAAAAAAAAAAAAAAAAAAAAAAAAAAAAAAAAAAAAAAAAAAAAAAAAAAAAAAAAAAAFAAAADwAAAAAAAAAAAAAAAAAAAkUAAAAAQAAABQAAAAUAAAAFAAAAAEAAAAAAAAAZAAAAGQAAAAAAAAAZAAAAGQAAAAVAAAAYAAAAAAAAAAAAAAADwAAACADAAAAAAAAAAAAAAEAAACgMgAAVgcAAKr4//8BAAAAf39/AAEAAABkAAAAAAAAABQAAABAHwAAAAAAACYAAAAAAAAAwOD//wAAAAAmAAAAZAAAABYAAABMAAAAAAAAAAAAAAAEAAAAAAAAAAEAAADn5uYKAAAAACgAAAAoAAAAZAAAAGQAAAAAAAAAzMzMAAAAAABQAAAAUAAAAGQAAABkAAAAAAAAABcAAAAUAAAAAAAAAAAAAAD/fwAA/38AAAAAAAAJAAAABAAAAACAAIAeAAAAaAAAAAAAAAAAAAAAAAAAAAAAAAAAAAAAECcAABAnAAAAAAAAAAAAAAAAAAAAAAAAAAAAAAAAAAAAAAAAAAAAABQAAAAAAAAAwMD/AAAAAABkAAAAMgAAAAAAAABkAAAAAAAAAH9/fwAKAAAAIgAAABgAAAAAAAAAAAAAAAAAAAAAAAAAAAAAAAAAAAAkAAAAJAAAAAAAAAAHAAAAAAAAAAAAAAAAAAAAAAAAAAAAAAAAAAAAf39/ACUAAABYAAAAAAAAAAAAAAAAAAAAAAAAAAAAAAAAAAAAAAAAAAAAAAAAAAAAAAAAAAAAAAA/AAAAAAAAAKCGAQAAAAAAAAAAAAAAAAAMAAAAAQAAAAAAAAAAAAAAAAAAAB8AAABUAAAAAAAABQAAAAEAAAAAAAAAAAAAAAAAAAAAAAAAAAAAAAAAAAAAAAAAAAAAAAJ/f38AAAAAA8zMzADAwP8Af39/AAAAAAAAAAAAAAAAAAAAAAAAAAAAIQAAABgAAAAUAAAA2BgAABonAAAoMgAAWSkAABAAAAAmAAAACAAAAAAAAAAAAAAAMAAAABQAAAAAAAAAAAD//wAAAQAAAP//AAABAA=="/>
+                <pr:smNativeData xmlns="smNativeData" xmlns:pr="smNativeData" xmlns:p15="http://schemas.microsoft.com/office/powerpoint/2012/main" xmlns:p14="http://schemas.microsoft.com/office/powerpoint/2010/main" xmlns:mc="http://schemas.openxmlformats.org/markup-compatibility/2006" val="SMDATA_16_xzE7ZxMAAAAlAAAAZAAAAA0AAAAAkAAAAEgAAACQAAAASAAAAAAAAAABAAAAAAAAAAEAAABQAAAAAAAAAAAA4D8AAAAAAADgPwAAAAAAAOA/AAAAAAAA4D8AAAAAAADgPwAAAAAAAOA/AAAAAAAA4D8AAAAAAADgPwAAAAAAAOA/AAAAAAAA4D8CAAAAjAAAAAAAAAAAAAAARHLEDP///wgAAAAAAAAAAAAAAAAAAAAAAAAAAAAAAAAAAAAAZAAAAAEAAABAAAAAAAAAAAAAAAAAAAAAAAAAAAAAAAAAAAAAAAAAAAAAAAAAAAAAAAAAAAAAAAAAAAAAAAAAAAAAAAAAAAAAAAAAAAAAAAAAAAAAAAAAAAAAAAAAAAAAFAAAADwAAAAAAAAAAAAAAAAAAAkUAAAAAQAAABQAAAAUAAAAFAAAAAEAAAAAAAAAZAAAAGQAAAAAAAAAZAAAAGQAAAAVAAAAYAAAAAAAAAAAAAAADwAAACADAAAAAAAAAAAAAAEAAACgMgAAVgcAAKr4//8BAAAAf39/AAEAAABkAAAAAAAAABQAAABAHwAAAAAAACYAAAAAAAAAwOD//wAAAAAmAAAAZAAAABYAAABMAAAAAAAAAAAAAAAEAAAAAAAAAAEAAADn5uYKAAAAACgAAAAoAAAAZAAAAGQAAAAAAAAAzMzMAAAAAABQAAAAUAAAAGQAAABkAAAAAAAAABcAAAAUAAAAAAAAAAAAAAD/fwAA/38AAAAAAAAJAAAABAAAAACAAIAeAAAAaAAAAAAAAAAAAAAAAAAAAAAAAAAAAAAAECcAABAnAAAAAAAAAAAAAAAAAAAAAAAAAAAAAAAAAAAAAAAAAAAAABQAAAAAAAAAwMD/AAAAAABkAAAAMgAAAAAAAABkAAAAAAAAAH9/fwAKAAAAIgAAABgAAAAAAAAAAAAAAAAAAAAAAAAAAAAAAAAAAAAkAAAAJAAAAAAAAAAHAAAAAAAAAAAAAAAAAAAAAAAAAAAAAAAAAAAAf39/ACUAAABYAAAAAAAAAAAAAAAAAAAAAAAAAAAAAAAAAAAAAAAAAAAAAAAAAAAAAAAAAAAAAAA/AAAAAAAAAKCGAQAAAAAAAAAAAAAAAAAMAAAAAQAAAAAAAAAAAAAAAAAAAB8AAABUAAAAAAAABQAAAAEAAAAAAAAAAAAAAAAAAAAAAAAAAAAAAAAAAAAAAAAAAAAAAAJ/f38AAAAAA8zMzADAwP8Af39/AAAAAAAAAAAAAAAAAAAAAAAAAAAAIQAAABgAAAAUAAAA2BgAABonAAAoMgAAWSkAABAAAAAmAAAACAAAAAAAAAAAAAAAMAAAABQAAAAAAAAAAAD//wAAAQAAAP//AAABAA=="/>
               </a:ext>
             </a:extLst>
           </p:cNvSpPr>
@@ -2004,7 +2004,7 @@
             <a:spLocks noGrp="1" noChangeArrowheads="1"/>
             <a:extLst>
               <a:ext uri="smNativeData">
-                <pr:smNativeData xmlns:mc="http://schemas.openxmlformats.org/markup-compatibility/2006" xmlns:p14="http://schemas.microsoft.com/office/powerpoint/2010/main" xmlns:p15="http://schemas.microsoft.com/office/powerpoint/2012/main" xmlns:pr="smNativeData" xmlns="smNativeData" val="SMDATA_16_xzE7ZxMAAAAlAAAAZAAAAA0AAAAAkAAAAEgAAACQAAAASAAAAAAAAAABAAAAAAAAAAEAAABQAAAAAAAAAAAA4D8AAAAAAADgPwAAAAAAAOA/AAAAAAAA4D8AAAAAAADgPwAAAAAAAOA/AAAAAAAA4D8AAAAAAADgPwAAAAAAAOA/AAAAAAAA4D8CAAAAjAAAAAAAAAAAAAAARHLEDP///wgAAAAAAAAAAAAAAAAAAAAAAAAAAAAAAAAAAAAAZAAAAAEAAABAAAAAAAAAAAAAAAAAAAAAAAAAAAAAAAAAAAAAAAAAAAAAAAAAAAAAAAAAAAAAAAAAAAAAAAAAAAAAAAAAAAAAAAAAAAAAAAAAAAAAAAAAAAAAAAAAAAAAFAAAADwAAAAAAAAAAAAAAAAAAAkUAAAAAQAAABQAAAAUAAAAFAAAAAEAAAAAAAAAZAAAAGQAAAAAAAAAZAAAAGQAAAAVAAAAYAAAAAAAAAAAAAAADwAAACADAAAAAAAAAAAAAAEAAACgMgAAVgcAAKr4//8BAAAAf39/AAEAAABkAAAAAAAAABQAAABAHwAAAAAAACYAAAAAAAAAwOD//wAAAAAmAAAAZAAAABYAAABMAAAAAAAAAAAAAAAEAAAAAAAAAAEAAADn5uYKAAAAACgAAAAoAAAAZAAAAGQAAAAAAAAAzMzMAAAAAABQAAAAUAAAAGQAAABkAAAAAAAAABcAAAAUAAAAAAAAAAAAAAD/fwAA/38AAAAAAAAJAAAABAAAAAAAAAAeAAAAaAAAAAAAAAAAAAAAAAAAAAAAAAAAAAAAECcAABAnAAAAAAAAAAAAAAAAAAAAAAAAAAAAAAAAAAAAAAAAAAAAABQAAAAAAAAAwMD/AAAAAABkAAAAMgAAAAAAAABkAAAAAAAAAH9/fwAKAAAAIgAAABgAAAAAAAAAAAAAAAAAAAAAAAAAAAAAAAAAAAAkAAAAJAAAAAAAAAAHAAAAAAAAAAAAAAAAAAAAAAAAAAAAAAAAAAAAf39/ACUAAABYAAAAAAAAAAAAAAAAAAAAAAAAAAAAAAAAAAAAAAAAAAAAAAAAAAAAAAAAAAAAAAA/AAAAAAAAAKCGAQAAAAAAAAAAAAAAAAAMAAAAAQAAAAAAAAAAAAAAAAAAAB8AAABUAAAAAAAABQAAAAEAAAAAAAAAAAAAAAAAAAAAAAAAAAAAAAAAAAAAAAAAAAAAAAJ/f38AAAAAA8zMzADAwP8Af39/AAAAAAAAAAAAAAAAAAAAAAAAAAAAIQAAABgAAAAUAAAA+DQAABonAADYRQAAWSkAABAAAAAmAAAACAAAAAAAAAAAAAAAMAAAABQAAAAAAAAAAAD//wAAAQAAAP//AAABAA=="/>
+                <pr:smNativeData xmlns="smNativeData" xmlns:pr="smNativeData" xmlns:p15="http://schemas.microsoft.com/office/powerpoint/2012/main" xmlns:p14="http://schemas.microsoft.com/office/powerpoint/2010/main" xmlns:mc="http://schemas.openxmlformats.org/markup-compatibility/2006" val="SMDATA_16_xzE7ZxMAAAAlAAAAZAAAAA0AAAAAkAAAAEgAAACQAAAASAAAAAAAAAABAAAAAAAAAAEAAABQAAAAAAAAAAAA4D8AAAAAAADgPwAAAAAAAOA/AAAAAAAA4D8AAAAAAADgPwAAAAAAAOA/AAAAAAAA4D8AAAAAAADgPwAAAAAAAOA/AAAAAAAA4D8CAAAAjAAAAAAAAAAAAAAARHLEDP///wgAAAAAAAAAAAAAAAAAAAAAAAAAAAAAAAAAAAAAZAAAAAEAAABAAAAAAAAAAAAAAAAAAAAAAAAAAAAAAAAAAAAAAAAAAAAAAAAAAAAAAAAAAAAAAAAAAAAAAAAAAAAAAAAAAAAAAAAAAAAAAAAAAAAAAAAAAAAAAAAAAAAAFAAAADwAAAAAAAAAAAAAAAAAAAkUAAAAAQAAABQAAAAUAAAAFAAAAAEAAAAAAAAAZAAAAGQAAAAAAAAAZAAAAGQAAAAVAAAAYAAAAAAAAAAAAAAADwAAACADAAAAAAAAAAAAAAEAAACgMgAAVgcAAKr4//8BAAAAf39/AAEAAABkAAAAAAAAABQAAABAHwAAAAAAACYAAAAAAAAAwOD//wAAAAAmAAAAZAAAABYAAABMAAAAAAAAAAAAAAAEAAAAAAAAA